--- a/Concept/Car-Project Schedule.pptx
+++ b/Concept/Car-Project Schedule.pptx
@@ -6,6 +6,7 @@
   </p:sldMasterIdLst>
   <p:sldIdLst>
     <p:sldId id="257" r:id="rId2"/>
+    <p:sldId id="258" r:id="rId3"/>
   </p:sldIdLst>
   <p:sldSz cx="12192000" cy="6858000"/>
   <p:notesSz cx="6858000" cy="9144000"/>
@@ -243,7 +244,7 @@
           <a:p>
             <a:fld id="{4BA0D007-2CFE-49FB-8BB1-98F606660035}" type="datetimeFigureOut">
               <a:rPr lang="en-US" smtClean="0"/>
-              <a:t>5/7/2022</a:t>
+              <a:t>5/13/2022</a:t>
             </a:fld>
             <a:endParaRPr lang="en-US"/>
           </a:p>
@@ -413,7 +414,7 @@
           <a:p>
             <a:fld id="{4BA0D007-2CFE-49FB-8BB1-98F606660035}" type="datetimeFigureOut">
               <a:rPr lang="en-US" smtClean="0"/>
-              <a:t>5/7/2022</a:t>
+              <a:t>5/13/2022</a:t>
             </a:fld>
             <a:endParaRPr lang="en-US"/>
           </a:p>
@@ -593,7 +594,7 @@
           <a:p>
             <a:fld id="{4BA0D007-2CFE-49FB-8BB1-98F606660035}" type="datetimeFigureOut">
               <a:rPr lang="en-US" smtClean="0"/>
-              <a:t>5/7/2022</a:t>
+              <a:t>5/13/2022</a:t>
             </a:fld>
             <a:endParaRPr lang="en-US"/>
           </a:p>
@@ -763,7 +764,7 @@
           <a:p>
             <a:fld id="{4BA0D007-2CFE-49FB-8BB1-98F606660035}" type="datetimeFigureOut">
               <a:rPr lang="en-US" smtClean="0"/>
-              <a:t>5/7/2022</a:t>
+              <a:t>5/13/2022</a:t>
             </a:fld>
             <a:endParaRPr lang="en-US"/>
           </a:p>
@@ -1009,7 +1010,7 @@
           <a:p>
             <a:fld id="{4BA0D007-2CFE-49FB-8BB1-98F606660035}" type="datetimeFigureOut">
               <a:rPr lang="en-US" smtClean="0"/>
-              <a:t>5/7/2022</a:t>
+              <a:t>5/13/2022</a:t>
             </a:fld>
             <a:endParaRPr lang="en-US"/>
           </a:p>
@@ -1241,7 +1242,7 @@
           <a:p>
             <a:fld id="{4BA0D007-2CFE-49FB-8BB1-98F606660035}" type="datetimeFigureOut">
               <a:rPr lang="en-US" smtClean="0"/>
-              <a:t>5/7/2022</a:t>
+              <a:t>5/13/2022</a:t>
             </a:fld>
             <a:endParaRPr lang="en-US"/>
           </a:p>
@@ -1608,7 +1609,7 @@
           <a:p>
             <a:fld id="{4BA0D007-2CFE-49FB-8BB1-98F606660035}" type="datetimeFigureOut">
               <a:rPr lang="en-US" smtClean="0"/>
-              <a:t>5/7/2022</a:t>
+              <a:t>5/13/2022</a:t>
             </a:fld>
             <a:endParaRPr lang="en-US"/>
           </a:p>
@@ -1726,7 +1727,7 @@
           <a:p>
             <a:fld id="{4BA0D007-2CFE-49FB-8BB1-98F606660035}" type="datetimeFigureOut">
               <a:rPr lang="en-US" smtClean="0"/>
-              <a:t>5/7/2022</a:t>
+              <a:t>5/13/2022</a:t>
             </a:fld>
             <a:endParaRPr lang="en-US"/>
           </a:p>
@@ -1821,7 +1822,7 @@
           <a:p>
             <a:fld id="{4BA0D007-2CFE-49FB-8BB1-98F606660035}" type="datetimeFigureOut">
               <a:rPr lang="en-US" smtClean="0"/>
-              <a:t>5/7/2022</a:t>
+              <a:t>5/13/2022</a:t>
             </a:fld>
             <a:endParaRPr lang="en-US"/>
           </a:p>
@@ -2098,7 +2099,7 @@
           <a:p>
             <a:fld id="{4BA0D007-2CFE-49FB-8BB1-98F606660035}" type="datetimeFigureOut">
               <a:rPr lang="en-US" smtClean="0"/>
-              <a:t>5/7/2022</a:t>
+              <a:t>5/13/2022</a:t>
             </a:fld>
             <a:endParaRPr lang="en-US"/>
           </a:p>
@@ -2351,7 +2352,7 @@
           <a:p>
             <a:fld id="{4BA0D007-2CFE-49FB-8BB1-98F606660035}" type="datetimeFigureOut">
               <a:rPr lang="en-US" smtClean="0"/>
-              <a:t>5/7/2022</a:t>
+              <a:t>5/13/2022</a:t>
             </a:fld>
             <a:endParaRPr lang="en-US"/>
           </a:p>
@@ -2564,7 +2565,7 @@
           <a:p>
             <a:fld id="{4BA0D007-2CFE-49FB-8BB1-98F606660035}" type="datetimeFigureOut">
               <a:rPr lang="en-US" smtClean="0"/>
-              <a:t>5/7/2022</a:t>
+              <a:t>5/13/2022</a:t>
             </a:fld>
             <a:endParaRPr lang="en-US"/>
           </a:p>
@@ -9464,6 +9465,6805 @@
 </p:sld>
 </file>
 
+<file path=ppt/slides/slide2.xml><?xml version="1.0" encoding="utf-8"?>
+<p:sld xmlns:a="http://schemas.openxmlformats.org/drawingml/2006/main" xmlns:r="http://schemas.openxmlformats.org/officeDocument/2006/relationships" xmlns:p="http://schemas.openxmlformats.org/presentationml/2006/main">
+  <p:cSld>
+    <p:spTree>
+      <p:nvGrpSpPr>
+        <p:cNvPr id="1" name=""/>
+        <p:cNvGrpSpPr/>
+        <p:nvPr/>
+      </p:nvGrpSpPr>
+      <p:grpSpPr>
+        <a:xfrm>
+          <a:off x="0" y="0"/>
+          <a:ext cx="0" cy="0"/>
+          <a:chOff x="0" y="0"/>
+          <a:chExt cx="0" cy="0"/>
+        </a:xfrm>
+      </p:grpSpPr>
+      <p:sp>
+        <p:nvSpPr>
+          <p:cNvPr id="11" name="OTLSHAPE_SL_93b0b08ffe0b4763bf4df938f38df717_BackgroundRectangle"/>
+          <p:cNvSpPr/>
+          <p:nvPr>
+            <p:custDataLst>
+              <p:tags r:id="rId2"/>
+            </p:custDataLst>
+          </p:nvPr>
+        </p:nvSpPr>
+        <p:spPr>
+          <a:xfrm>
+            <a:off x="63500" y="3945255"/>
+            <a:ext cx="11125200" cy="546100"/>
+          </a:xfrm>
+          <a:prstGeom prst="rect">
+            <a:avLst/>
+          </a:prstGeom>
+          <a:solidFill>
+            <a:schemeClr val="accent3">
+              <a:alpha val="20000"/>
+            </a:schemeClr>
+          </a:solidFill>
+          <a:ln w="12700" cap="flat" cmpd="sng" algn="ctr">
+            <a:noFill/>
+            <a:prstDash val="solid"/>
+            <a:miter lim="800000"/>
+          </a:ln>
+          <a:effectLst/>
+          <a:extLst>
+            <a:ext uri="{91240B29-F687-4F45-9708-019B960494DF}">
+              <a14:hiddenLine xmlns:a14="http://schemas.microsoft.com/office/drawing/2010/main" w="12700" cap="flat" cmpd="sng" algn="ctr">
+                <a:solidFill>
+                  <a:schemeClr val="accent1">
+                    <a:shade val="50000"/>
+                  </a:schemeClr>
+                </a:solidFill>
+                <a:prstDash val="solid"/>
+                <a:miter lim="800000"/>
+              </a14:hiddenLine>
+            </a:ext>
+          </a:extLst>
+        </p:spPr>
+        <p:style>
+          <a:lnRef idx="2">
+            <a:schemeClr val="accent1">
+              <a:shade val="50000"/>
+            </a:schemeClr>
+          </a:lnRef>
+          <a:fillRef idx="1">
+            <a:schemeClr val="accent1"/>
+          </a:fillRef>
+          <a:effectRef idx="0">
+            <a:schemeClr val="accent1"/>
+          </a:effectRef>
+          <a:fontRef idx="minor">
+            <a:schemeClr val="lt1"/>
+          </a:fontRef>
+        </p:style>
+        <p:txBody>
+          <a:bodyPr rtlCol="0" anchor="ctr"/>
+          <a:lstStyle/>
+          <a:p>
+            <a:pPr algn="ctr"/>
+            <a:endParaRPr lang="en-US"/>
+          </a:p>
+        </p:txBody>
+      </p:sp>
+      <p:sp>
+        <p:nvSpPr>
+          <p:cNvPr id="14" name="OTLSHAPE_SL_e20ac6c3ca0f45ddbb495b18aba18a3d_BackgroundRectangle"/>
+          <p:cNvSpPr/>
+          <p:nvPr>
+            <p:custDataLst>
+              <p:tags r:id="rId3"/>
+            </p:custDataLst>
+          </p:nvPr>
+        </p:nvSpPr>
+        <p:spPr>
+          <a:xfrm>
+            <a:off x="63500" y="4554855"/>
+            <a:ext cx="11125200" cy="1612900"/>
+          </a:xfrm>
+          <a:prstGeom prst="rect">
+            <a:avLst/>
+          </a:prstGeom>
+          <a:solidFill>
+            <a:schemeClr val="accent3">
+              <a:alpha val="20000"/>
+            </a:schemeClr>
+          </a:solidFill>
+          <a:ln w="12700" cap="flat" cmpd="sng" algn="ctr">
+            <a:noFill/>
+            <a:prstDash val="solid"/>
+            <a:miter lim="800000"/>
+          </a:ln>
+          <a:effectLst/>
+          <a:extLst>
+            <a:ext uri="{91240B29-F687-4F45-9708-019B960494DF}">
+              <a14:hiddenLine xmlns:a14="http://schemas.microsoft.com/office/drawing/2010/main" w="12700" cap="flat" cmpd="sng" algn="ctr">
+                <a:solidFill>
+                  <a:schemeClr val="accent1">
+                    <a:shade val="50000"/>
+                  </a:schemeClr>
+                </a:solidFill>
+                <a:prstDash val="solid"/>
+                <a:miter lim="800000"/>
+              </a14:hiddenLine>
+            </a:ext>
+          </a:extLst>
+        </p:spPr>
+        <p:style>
+          <a:lnRef idx="2">
+            <a:schemeClr val="accent1">
+              <a:shade val="50000"/>
+            </a:schemeClr>
+          </a:lnRef>
+          <a:fillRef idx="1">
+            <a:schemeClr val="accent1"/>
+          </a:fillRef>
+          <a:effectRef idx="0">
+            <a:schemeClr val="accent1"/>
+          </a:effectRef>
+          <a:fontRef idx="minor">
+            <a:schemeClr val="lt1"/>
+          </a:fontRef>
+        </p:style>
+        <p:txBody>
+          <a:bodyPr rtlCol="0" anchor="ctr"/>
+          <a:lstStyle/>
+          <a:p>
+            <a:pPr algn="ctr"/>
+            <a:endParaRPr lang="en-US"/>
+          </a:p>
+        </p:txBody>
+      </p:sp>
+      <p:sp>
+        <p:nvSpPr>
+          <p:cNvPr id="29" name="OTLSHAPE_SL2A_a95ae0a881c047dcac3931e6f7201637_BackgroundRectangle" hidden="1"/>
+          <p:cNvSpPr/>
+          <p:nvPr>
+            <p:custDataLst>
+              <p:tags r:id="rId4"/>
+            </p:custDataLst>
+          </p:nvPr>
+        </p:nvSpPr>
+        <p:spPr>
+          <a:xfrm>
+            <a:off x="2095500" y="3945255"/>
+            <a:ext cx="9093200" cy="546100"/>
+          </a:xfrm>
+          <a:prstGeom prst="rect">
+            <a:avLst/>
+          </a:prstGeom>
+          <a:solidFill>
+            <a:schemeClr val="accent3">
+              <a:alpha val="20000"/>
+            </a:schemeClr>
+          </a:solidFill>
+          <a:ln w="12700" cap="flat" cmpd="sng" algn="ctr">
+            <a:noFill/>
+            <a:prstDash val="solid"/>
+            <a:miter lim="800000"/>
+          </a:ln>
+          <a:effectLst/>
+          <a:extLst>
+            <a:ext uri="{91240B29-F687-4F45-9708-019B960494DF}">
+              <a14:hiddenLine xmlns:a14="http://schemas.microsoft.com/office/drawing/2010/main" w="12700" cap="flat" cmpd="sng" algn="ctr">
+                <a:solidFill>
+                  <a:schemeClr val="accent1">
+                    <a:shade val="50000"/>
+                  </a:schemeClr>
+                </a:solidFill>
+                <a:prstDash val="solid"/>
+                <a:miter lim="800000"/>
+              </a14:hiddenLine>
+            </a:ext>
+          </a:extLst>
+        </p:spPr>
+        <p:style>
+          <a:lnRef idx="2">
+            <a:schemeClr val="accent1">
+              <a:shade val="50000"/>
+            </a:schemeClr>
+          </a:lnRef>
+          <a:fillRef idx="1">
+            <a:schemeClr val="accent1"/>
+          </a:fillRef>
+          <a:effectRef idx="0">
+            <a:schemeClr val="accent1"/>
+          </a:effectRef>
+          <a:fontRef idx="minor">
+            <a:schemeClr val="lt1"/>
+          </a:fontRef>
+        </p:style>
+        <p:txBody>
+          <a:bodyPr rtlCol="0" anchor="ctr"/>
+          <a:lstStyle/>
+          <a:p>
+            <a:pPr algn="ctr"/>
+            <a:endParaRPr lang="en-US"/>
+          </a:p>
+        </p:txBody>
+      </p:sp>
+      <p:sp>
+        <p:nvSpPr>
+          <p:cNvPr id="56" name="OTLSHAPE_SL2A_dc076fcdd1be4207b5f93815b38cd91e_BackgroundRectangle" hidden="1"/>
+          <p:cNvSpPr/>
+          <p:nvPr>
+            <p:custDataLst>
+              <p:tags r:id="rId5"/>
+            </p:custDataLst>
+          </p:nvPr>
+        </p:nvSpPr>
+        <p:spPr>
+          <a:xfrm>
+            <a:off x="2095500" y="4554855"/>
+            <a:ext cx="9093200" cy="1612900"/>
+          </a:xfrm>
+          <a:prstGeom prst="rect">
+            <a:avLst/>
+          </a:prstGeom>
+          <a:solidFill>
+            <a:schemeClr val="accent3">
+              <a:alpha val="20000"/>
+            </a:schemeClr>
+          </a:solidFill>
+          <a:ln w="12700" cap="flat" cmpd="sng" algn="ctr">
+            <a:noFill/>
+            <a:prstDash val="solid"/>
+            <a:miter lim="800000"/>
+          </a:ln>
+          <a:effectLst/>
+          <a:extLst>
+            <a:ext uri="{91240B29-F687-4F45-9708-019B960494DF}">
+              <a14:hiddenLine xmlns:a14="http://schemas.microsoft.com/office/drawing/2010/main" w="12700" cap="flat" cmpd="sng" algn="ctr">
+                <a:solidFill>
+                  <a:schemeClr val="accent1">
+                    <a:shade val="50000"/>
+                  </a:schemeClr>
+                </a:solidFill>
+                <a:prstDash val="solid"/>
+                <a:miter lim="800000"/>
+              </a14:hiddenLine>
+            </a:ext>
+          </a:extLst>
+        </p:spPr>
+        <p:style>
+          <a:lnRef idx="2">
+            <a:schemeClr val="accent1">
+              <a:shade val="50000"/>
+            </a:schemeClr>
+          </a:lnRef>
+          <a:fillRef idx="1">
+            <a:schemeClr val="accent1"/>
+          </a:fillRef>
+          <a:effectRef idx="0">
+            <a:schemeClr val="accent1"/>
+          </a:effectRef>
+          <a:fontRef idx="minor">
+            <a:schemeClr val="lt1"/>
+          </a:fontRef>
+        </p:style>
+        <p:txBody>
+          <a:bodyPr rtlCol="0" anchor="ctr"/>
+          <a:lstStyle/>
+          <a:p>
+            <a:pPr algn="ctr"/>
+            <a:endParaRPr lang="en-US"/>
+          </a:p>
+        </p:txBody>
+      </p:sp>
+      <p:sp>
+        <p:nvSpPr>
+          <p:cNvPr id="114" name="OTLSHAPE_SL_f83814d4db5f4446a686bf6806a7fec9_BackgroundRectangle"/>
+          <p:cNvSpPr/>
+          <p:nvPr>
+            <p:custDataLst>
+              <p:tags r:id="rId6"/>
+            </p:custDataLst>
+          </p:nvPr>
+        </p:nvSpPr>
+        <p:spPr>
+          <a:xfrm>
+            <a:off x="63500" y="6231255"/>
+            <a:ext cx="11125200" cy="546100"/>
+          </a:xfrm>
+          <a:prstGeom prst="rect">
+            <a:avLst/>
+          </a:prstGeom>
+          <a:solidFill>
+            <a:schemeClr val="accent3">
+              <a:alpha val="20000"/>
+            </a:schemeClr>
+          </a:solidFill>
+          <a:ln w="12700" cap="flat" cmpd="sng" algn="ctr">
+            <a:noFill/>
+            <a:prstDash val="solid"/>
+            <a:miter lim="800000"/>
+          </a:ln>
+          <a:effectLst/>
+          <a:extLst>
+            <a:ext uri="{91240B29-F687-4F45-9708-019B960494DF}">
+              <a14:hiddenLine xmlns:a14="http://schemas.microsoft.com/office/drawing/2010/main" w="12700" cap="flat" cmpd="sng" algn="ctr">
+                <a:solidFill>
+                  <a:schemeClr val="accent1">
+                    <a:shade val="50000"/>
+                  </a:schemeClr>
+                </a:solidFill>
+                <a:prstDash val="solid"/>
+                <a:miter lim="800000"/>
+              </a14:hiddenLine>
+            </a:ext>
+          </a:extLst>
+        </p:spPr>
+        <p:style>
+          <a:lnRef idx="2">
+            <a:schemeClr val="accent1">
+              <a:shade val="50000"/>
+            </a:schemeClr>
+          </a:lnRef>
+          <a:fillRef idx="1">
+            <a:schemeClr val="accent1"/>
+          </a:fillRef>
+          <a:effectRef idx="0">
+            <a:schemeClr val="accent1"/>
+          </a:effectRef>
+          <a:fontRef idx="minor">
+            <a:schemeClr val="lt1"/>
+          </a:fontRef>
+        </p:style>
+        <p:txBody>
+          <a:bodyPr rtlCol="0" anchor="ctr"/>
+          <a:lstStyle/>
+          <a:p>
+            <a:pPr algn="ctr"/>
+            <a:endParaRPr lang="en-US"/>
+          </a:p>
+        </p:txBody>
+      </p:sp>
+      <p:sp>
+        <p:nvSpPr>
+          <p:cNvPr id="131" name="OTLSHAPE_SL2A_2e6cd13b9934453f9569c04e5e65a6eb_BackgroundRectangle" hidden="1"/>
+          <p:cNvSpPr/>
+          <p:nvPr>
+            <p:custDataLst>
+              <p:tags r:id="rId7"/>
+            </p:custDataLst>
+          </p:nvPr>
+        </p:nvSpPr>
+        <p:spPr>
+          <a:xfrm>
+            <a:off x="2095500" y="6231255"/>
+            <a:ext cx="9093200" cy="546100"/>
+          </a:xfrm>
+          <a:prstGeom prst="rect">
+            <a:avLst/>
+          </a:prstGeom>
+          <a:solidFill>
+            <a:schemeClr val="accent3">
+              <a:alpha val="20000"/>
+            </a:schemeClr>
+          </a:solidFill>
+          <a:ln w="12700" cap="flat" cmpd="sng" algn="ctr">
+            <a:noFill/>
+            <a:prstDash val="solid"/>
+            <a:miter lim="800000"/>
+          </a:ln>
+          <a:effectLst/>
+          <a:extLst>
+            <a:ext uri="{91240B29-F687-4F45-9708-019B960494DF}">
+              <a14:hiddenLine xmlns:a14="http://schemas.microsoft.com/office/drawing/2010/main" w="12700" cap="flat" cmpd="sng" algn="ctr">
+                <a:solidFill>
+                  <a:schemeClr val="accent1">
+                    <a:shade val="50000"/>
+                  </a:schemeClr>
+                </a:solidFill>
+                <a:prstDash val="solid"/>
+                <a:miter lim="800000"/>
+              </a14:hiddenLine>
+            </a:ext>
+          </a:extLst>
+        </p:spPr>
+        <p:style>
+          <a:lnRef idx="2">
+            <a:schemeClr val="accent1">
+              <a:shade val="50000"/>
+            </a:schemeClr>
+          </a:lnRef>
+          <a:fillRef idx="1">
+            <a:schemeClr val="accent1"/>
+          </a:fillRef>
+          <a:effectRef idx="0">
+            <a:schemeClr val="accent1"/>
+          </a:effectRef>
+          <a:fontRef idx="minor">
+            <a:schemeClr val="lt1"/>
+          </a:fontRef>
+        </p:style>
+        <p:txBody>
+          <a:bodyPr rtlCol="0" anchor="ctr"/>
+          <a:lstStyle/>
+          <a:p>
+            <a:pPr algn="ctr"/>
+            <a:endParaRPr lang="en-US"/>
+          </a:p>
+        </p:txBody>
+      </p:sp>
+      <p:sp>
+        <p:nvSpPr>
+          <p:cNvPr id="2" name="OTLSHAPE_TB_00000000000000000000000000000000_LeftEndCaps" hidden="1"/>
+          <p:cNvSpPr txBox="1"/>
+          <p:nvPr>
+            <p:custDataLst>
+              <p:tags r:id="rId8"/>
+            </p:custDataLst>
+          </p:nvPr>
+        </p:nvSpPr>
+        <p:spPr>
+          <a:xfrm>
+            <a:off x="-221339" y="12700"/>
+            <a:ext cx="469900" cy="276999"/>
+          </a:xfrm>
+          <a:prstGeom prst="rect">
+            <a:avLst/>
+          </a:prstGeom>
+          <a:noFill/>
+        </p:spPr>
+        <p:txBody>
+          <a:bodyPr vert="horz" wrap="none" lIns="0" tIns="0" rIns="0" bIns="0" rtlCol="0" anchor="ctr" anchorCtr="0">
+            <a:spAutoFit/>
+          </a:bodyPr>
+          <a:lstStyle/>
+          <a:p>
+            <a:pPr algn="ctr"/>
+            <a:r>
+              <a:rPr lang="en-US" b="1" smtClean="0">
+                <a:solidFill>
+                  <a:schemeClr val="accent2"/>
+                </a:solidFill>
+                <a:latin typeface="Calibri" panose="020F0502020204030204" pitchFamily="34" charset="0"/>
+              </a:rPr>
+              <a:t>2022</a:t>
+            </a:r>
+            <a:endParaRPr lang="en-US" b="1">
+              <a:solidFill>
+                <a:schemeClr val="accent2"/>
+              </a:solidFill>
+              <a:latin typeface="Calibri" panose="020F0502020204030204" pitchFamily="34" charset="0"/>
+            </a:endParaRPr>
+          </a:p>
+        </p:txBody>
+      </p:sp>
+      <p:sp>
+        <p:nvSpPr>
+          <p:cNvPr id="3" name="OTLSHAPE_TB_00000000000000000000000000000000_RightEndCaps"/>
+          <p:cNvSpPr txBox="1"/>
+          <p:nvPr>
+            <p:custDataLst>
+              <p:tags r:id="rId9"/>
+            </p:custDataLst>
+          </p:nvPr>
+        </p:nvSpPr>
+        <p:spPr>
+          <a:xfrm>
+            <a:off x="11474534" y="3098969"/>
+            <a:ext cx="449610" cy="279061"/>
+          </a:xfrm>
+          <a:prstGeom prst="rect">
+            <a:avLst/>
+          </a:prstGeom>
+          <a:noFill/>
+        </p:spPr>
+        <p:txBody>
+          <a:bodyPr vert="horz" wrap="none" lIns="0" tIns="0" rIns="0" bIns="0" rtlCol="0" anchor="ctr" anchorCtr="0">
+            <a:spAutoFit/>
+          </a:bodyPr>
+          <a:lstStyle/>
+          <a:p>
+            <a:pPr algn="ctr"/>
+            <a:r>
+              <a:rPr lang="en-US" b="1" spc="-44" smtClean="0">
+                <a:solidFill>
+                  <a:schemeClr val="accent2"/>
+                </a:solidFill>
+                <a:latin typeface="Calibri" panose="020F0502020204030204" pitchFamily="34" charset="0"/>
+              </a:rPr>
+              <a:t>2022</a:t>
+            </a:r>
+            <a:endParaRPr lang="en-US" b="1" spc="-44">
+              <a:solidFill>
+                <a:schemeClr val="accent2"/>
+              </a:solidFill>
+              <a:latin typeface="Calibri" panose="020F0502020204030204" pitchFamily="34" charset="0"/>
+            </a:endParaRPr>
+          </a:p>
+        </p:txBody>
+      </p:sp>
+      <p:sp>
+        <p:nvSpPr>
+          <p:cNvPr id="4" name="OTLSHAPE_TB_00000000000000000000000000000000_ScaleContainer"/>
+          <p:cNvSpPr/>
+          <p:nvPr>
+            <p:custDataLst>
+              <p:tags r:id="rId10"/>
+            </p:custDataLst>
+          </p:nvPr>
+        </p:nvSpPr>
+        <p:spPr>
+          <a:xfrm>
+            <a:off x="2057400" y="3048000"/>
+            <a:ext cx="9296400" cy="381000"/>
+          </a:xfrm>
+          <a:prstGeom prst="roundRect">
+            <a:avLst>
+              <a:gd name="adj" fmla="val 100000"/>
+            </a:avLst>
+          </a:prstGeom>
+          <a:gradFill flip="none" rotWithShape="1">
+            <a:gsLst>
+              <a:gs pos="0">
+                <a:srgbClr val="44546A"/>
+              </a:gs>
+              <a:gs pos="100000">
+                <a:srgbClr val="44546A"/>
+              </a:gs>
+            </a:gsLst>
+            <a:lin ang="5400000" scaled="1"/>
+            <a:tileRect/>
+          </a:gradFill>
+          <a:ln w="12700" cap="flat" cmpd="sng" algn="ctr">
+            <a:noFill/>
+            <a:prstDash val="solid"/>
+            <a:miter lim="800000"/>
+          </a:ln>
+          <a:effectLst>
+            <a:reflection blurRad="6350" stA="50000" endA="300" endPos="55500" dist="50800" dir="5400000" sy="-100000" algn="bl" rotWithShape="0"/>
+          </a:effectLst>
+          <a:scene3d>
+            <a:camera prst="orthographicFront"/>
+            <a:lightRig rig="threePt" dir="t">
+              <a:rot lat="0" lon="0" rev="8700000"/>
+            </a:lightRig>
+          </a:scene3d>
+          <a:sp3d>
+            <a:bevelT w="165100" h="19050"/>
+          </a:sp3d>
+          <a:extLst>
+            <a:ext uri="{91240B29-F687-4F45-9708-019B960494DF}">
+              <a14:hiddenLine xmlns:a14="http://schemas.microsoft.com/office/drawing/2010/main" w="12700" cap="flat" cmpd="sng" algn="ctr">
+                <a:solidFill>
+                  <a:schemeClr val="accent1">
+                    <a:shade val="50000"/>
+                  </a:schemeClr>
+                </a:solidFill>
+                <a:prstDash val="solid"/>
+                <a:miter lim="800000"/>
+              </a14:hiddenLine>
+            </a:ext>
+          </a:extLst>
+        </p:spPr>
+        <p:style>
+          <a:lnRef idx="2">
+            <a:schemeClr val="accent1">
+              <a:shade val="50000"/>
+            </a:schemeClr>
+          </a:lnRef>
+          <a:fillRef idx="1">
+            <a:schemeClr val="accent1"/>
+          </a:fillRef>
+          <a:effectRef idx="0">
+            <a:schemeClr val="accent1"/>
+          </a:effectRef>
+          <a:fontRef idx="minor">
+            <a:schemeClr val="lt1"/>
+          </a:fontRef>
+        </p:style>
+        <p:txBody>
+          <a:bodyPr rtlCol="0" anchor="ctr"/>
+          <a:lstStyle/>
+          <a:p>
+            <a:pPr algn="ctr"/>
+            <a:endParaRPr lang="en-US"/>
+          </a:p>
+        </p:txBody>
+      </p:sp>
+      <p:sp>
+        <p:nvSpPr>
+          <p:cNvPr id="12" name="OTLSHAPE_SL_93b0b08ffe0b4763bf4df938f38df717_HeaderRectangle"/>
+          <p:cNvSpPr/>
+          <p:nvPr>
+            <p:custDataLst>
+              <p:tags r:id="rId11"/>
+            </p:custDataLst>
+          </p:nvPr>
+        </p:nvSpPr>
+        <p:spPr>
+          <a:xfrm>
+            <a:off x="63500" y="3945255"/>
+            <a:ext cx="2032000" cy="546100"/>
+          </a:xfrm>
+          <a:prstGeom prst="rect">
+            <a:avLst/>
+          </a:prstGeom>
+          <a:solidFill>
+            <a:schemeClr val="accent1"/>
+          </a:solidFill>
+          <a:ln w="12700" cap="flat" cmpd="sng" algn="ctr">
+            <a:noFill/>
+            <a:prstDash val="solid"/>
+            <a:miter lim="800000"/>
+          </a:ln>
+          <a:effectLst/>
+          <a:extLst>
+            <a:ext uri="{91240B29-F687-4F45-9708-019B960494DF}">
+              <a14:hiddenLine xmlns:a14="http://schemas.microsoft.com/office/drawing/2010/main" w="12700" cap="flat" cmpd="sng" algn="ctr">
+                <a:solidFill>
+                  <a:schemeClr val="accent1">
+                    <a:shade val="50000"/>
+                  </a:schemeClr>
+                </a:solidFill>
+                <a:prstDash val="solid"/>
+                <a:miter lim="800000"/>
+              </a14:hiddenLine>
+            </a:ext>
+          </a:extLst>
+        </p:spPr>
+        <p:style>
+          <a:lnRef idx="2">
+            <a:schemeClr val="accent1">
+              <a:shade val="50000"/>
+            </a:schemeClr>
+          </a:lnRef>
+          <a:fillRef idx="1">
+            <a:schemeClr val="accent1"/>
+          </a:fillRef>
+          <a:effectRef idx="0">
+            <a:schemeClr val="accent1"/>
+          </a:effectRef>
+          <a:fontRef idx="minor">
+            <a:schemeClr val="lt1"/>
+          </a:fontRef>
+        </p:style>
+        <p:txBody>
+          <a:bodyPr rtlCol="0" anchor="ctr"/>
+          <a:lstStyle/>
+          <a:p>
+            <a:pPr algn="ctr"/>
+            <a:endParaRPr lang="en-US"/>
+          </a:p>
+        </p:txBody>
+      </p:sp>
+      <p:sp>
+        <p:nvSpPr>
+          <p:cNvPr id="15" name="OTLSHAPE_SL_e20ac6c3ca0f45ddbb495b18aba18a3d_HeaderRectangle"/>
+          <p:cNvSpPr/>
+          <p:nvPr>
+            <p:custDataLst>
+              <p:tags r:id="rId12"/>
+            </p:custDataLst>
+          </p:nvPr>
+        </p:nvSpPr>
+        <p:spPr>
+          <a:xfrm>
+            <a:off x="63500" y="4554855"/>
+            <a:ext cx="2032000" cy="1612900"/>
+          </a:xfrm>
+          <a:prstGeom prst="rect">
+            <a:avLst/>
+          </a:prstGeom>
+          <a:solidFill>
+            <a:schemeClr val="accent2"/>
+          </a:solidFill>
+          <a:ln w="12700" cap="flat" cmpd="sng" algn="ctr">
+            <a:noFill/>
+            <a:prstDash val="solid"/>
+            <a:miter lim="800000"/>
+          </a:ln>
+          <a:effectLst/>
+          <a:extLst>
+            <a:ext uri="{91240B29-F687-4F45-9708-019B960494DF}">
+              <a14:hiddenLine xmlns:a14="http://schemas.microsoft.com/office/drawing/2010/main" w="12700" cap="flat" cmpd="sng" algn="ctr">
+                <a:solidFill>
+                  <a:schemeClr val="accent1">
+                    <a:shade val="50000"/>
+                  </a:schemeClr>
+                </a:solidFill>
+                <a:prstDash val="solid"/>
+                <a:miter lim="800000"/>
+              </a14:hiddenLine>
+            </a:ext>
+          </a:extLst>
+        </p:spPr>
+        <p:style>
+          <a:lnRef idx="2">
+            <a:schemeClr val="accent1">
+              <a:shade val="50000"/>
+            </a:schemeClr>
+          </a:lnRef>
+          <a:fillRef idx="1">
+            <a:schemeClr val="accent1"/>
+          </a:fillRef>
+          <a:effectRef idx="0">
+            <a:schemeClr val="accent1"/>
+          </a:effectRef>
+          <a:fontRef idx="minor">
+            <a:schemeClr val="lt1"/>
+          </a:fontRef>
+        </p:style>
+        <p:txBody>
+          <a:bodyPr rtlCol="0" anchor="ctr"/>
+          <a:lstStyle/>
+          <a:p>
+            <a:pPr algn="ctr"/>
+            <a:endParaRPr lang="en-US"/>
+          </a:p>
+        </p:txBody>
+      </p:sp>
+      <p:sp>
+        <p:nvSpPr>
+          <p:cNvPr id="27" name="OTLSHAPE_SL2A_a95ae0a881c047dcac3931e6f7201637_HeaderRectangle" hidden="1"/>
+          <p:cNvSpPr/>
+          <p:nvPr>
+            <p:custDataLst>
+              <p:tags r:id="rId13"/>
+            </p:custDataLst>
+          </p:nvPr>
+        </p:nvSpPr>
+        <p:spPr>
+          <a:xfrm>
+            <a:off x="2095500" y="3945255"/>
+            <a:ext cx="0" cy="0"/>
+          </a:xfrm>
+          <a:prstGeom prst="rect">
+            <a:avLst/>
+          </a:prstGeom>
+          <a:solidFill>
+            <a:schemeClr val="accent1">
+              <a:alpha val="24706"/>
+            </a:schemeClr>
+          </a:solidFill>
+          <a:ln w="12700" cap="flat" cmpd="sng" algn="ctr">
+            <a:noFill/>
+            <a:prstDash val="solid"/>
+            <a:miter lim="800000"/>
+          </a:ln>
+          <a:effectLst/>
+          <a:extLst>
+            <a:ext uri="{91240B29-F687-4F45-9708-019B960494DF}">
+              <a14:hiddenLine xmlns:a14="http://schemas.microsoft.com/office/drawing/2010/main" w="12700" cap="flat" cmpd="sng" algn="ctr">
+                <a:solidFill>
+                  <a:schemeClr val="accent1">
+                    <a:shade val="50000"/>
+                  </a:schemeClr>
+                </a:solidFill>
+                <a:prstDash val="solid"/>
+                <a:miter lim="800000"/>
+              </a14:hiddenLine>
+            </a:ext>
+          </a:extLst>
+        </p:spPr>
+        <p:style>
+          <a:lnRef idx="2">
+            <a:schemeClr val="accent1">
+              <a:shade val="50000"/>
+            </a:schemeClr>
+          </a:lnRef>
+          <a:fillRef idx="1">
+            <a:schemeClr val="accent1"/>
+          </a:fillRef>
+          <a:effectRef idx="0">
+            <a:schemeClr val="accent1"/>
+          </a:effectRef>
+          <a:fontRef idx="minor">
+            <a:schemeClr val="lt1"/>
+          </a:fontRef>
+        </p:style>
+        <p:txBody>
+          <a:bodyPr rtlCol="0" anchor="ctr"/>
+          <a:lstStyle/>
+          <a:p>
+            <a:pPr algn="ctr"/>
+            <a:endParaRPr lang="en-US"/>
+          </a:p>
+        </p:txBody>
+      </p:sp>
+      <p:sp>
+        <p:nvSpPr>
+          <p:cNvPr id="54" name="OTLSHAPE_SL2A_dc076fcdd1be4207b5f93815b38cd91e_HeaderRectangle" hidden="1"/>
+          <p:cNvSpPr/>
+          <p:nvPr>
+            <p:custDataLst>
+              <p:tags r:id="rId14"/>
+            </p:custDataLst>
+          </p:nvPr>
+        </p:nvSpPr>
+        <p:spPr>
+          <a:xfrm>
+            <a:off x="2095500" y="4554855"/>
+            <a:ext cx="0" cy="0"/>
+          </a:xfrm>
+          <a:prstGeom prst="rect">
+            <a:avLst/>
+          </a:prstGeom>
+          <a:solidFill>
+            <a:schemeClr val="accent2">
+              <a:alpha val="24706"/>
+            </a:schemeClr>
+          </a:solidFill>
+          <a:ln w="12700" cap="flat" cmpd="sng" algn="ctr">
+            <a:noFill/>
+            <a:prstDash val="solid"/>
+            <a:miter lim="800000"/>
+          </a:ln>
+          <a:effectLst/>
+          <a:extLst>
+            <a:ext uri="{91240B29-F687-4F45-9708-019B960494DF}">
+              <a14:hiddenLine xmlns:a14="http://schemas.microsoft.com/office/drawing/2010/main" w="12700" cap="flat" cmpd="sng" algn="ctr">
+                <a:solidFill>
+                  <a:schemeClr val="accent1">
+                    <a:shade val="50000"/>
+                  </a:schemeClr>
+                </a:solidFill>
+                <a:prstDash val="solid"/>
+                <a:miter lim="800000"/>
+              </a14:hiddenLine>
+            </a:ext>
+          </a:extLst>
+        </p:spPr>
+        <p:style>
+          <a:lnRef idx="2">
+            <a:schemeClr val="accent1">
+              <a:shade val="50000"/>
+            </a:schemeClr>
+          </a:lnRef>
+          <a:fillRef idx="1">
+            <a:schemeClr val="accent1"/>
+          </a:fillRef>
+          <a:effectRef idx="0">
+            <a:schemeClr val="accent1"/>
+          </a:effectRef>
+          <a:fontRef idx="minor">
+            <a:schemeClr val="lt1"/>
+          </a:fontRef>
+        </p:style>
+        <p:txBody>
+          <a:bodyPr rtlCol="0" anchor="ctr"/>
+          <a:lstStyle/>
+          <a:p>
+            <a:pPr algn="ctr"/>
+            <a:endParaRPr lang="en-US"/>
+          </a:p>
+        </p:txBody>
+      </p:sp>
+      <p:sp>
+        <p:nvSpPr>
+          <p:cNvPr id="115" name="OTLSHAPE_SL_f83814d4db5f4446a686bf6806a7fec9_HeaderRectangle"/>
+          <p:cNvSpPr/>
+          <p:nvPr>
+            <p:custDataLst>
+              <p:tags r:id="rId15"/>
+            </p:custDataLst>
+          </p:nvPr>
+        </p:nvSpPr>
+        <p:spPr>
+          <a:xfrm>
+            <a:off x="63500" y="6231255"/>
+            <a:ext cx="2032000" cy="546100"/>
+          </a:xfrm>
+          <a:prstGeom prst="rect">
+            <a:avLst/>
+          </a:prstGeom>
+          <a:solidFill>
+            <a:schemeClr val="accent3"/>
+          </a:solidFill>
+          <a:ln w="12700" cap="flat" cmpd="sng" algn="ctr">
+            <a:noFill/>
+            <a:prstDash val="solid"/>
+            <a:miter lim="800000"/>
+          </a:ln>
+          <a:effectLst/>
+          <a:extLst>
+            <a:ext uri="{91240B29-F687-4F45-9708-019B960494DF}">
+              <a14:hiddenLine xmlns:a14="http://schemas.microsoft.com/office/drawing/2010/main" w="12700" cap="flat" cmpd="sng" algn="ctr">
+                <a:solidFill>
+                  <a:schemeClr val="accent1">
+                    <a:shade val="50000"/>
+                  </a:schemeClr>
+                </a:solidFill>
+                <a:prstDash val="solid"/>
+                <a:miter lim="800000"/>
+              </a14:hiddenLine>
+            </a:ext>
+          </a:extLst>
+        </p:spPr>
+        <p:style>
+          <a:lnRef idx="2">
+            <a:schemeClr val="accent1">
+              <a:shade val="50000"/>
+            </a:schemeClr>
+          </a:lnRef>
+          <a:fillRef idx="1">
+            <a:schemeClr val="accent1"/>
+          </a:fillRef>
+          <a:effectRef idx="0">
+            <a:schemeClr val="accent1"/>
+          </a:effectRef>
+          <a:fontRef idx="minor">
+            <a:schemeClr val="lt1"/>
+          </a:fontRef>
+        </p:style>
+        <p:txBody>
+          <a:bodyPr rtlCol="0" anchor="ctr"/>
+          <a:lstStyle/>
+          <a:p>
+            <a:pPr algn="ctr"/>
+            <a:endParaRPr lang="en-US"/>
+          </a:p>
+        </p:txBody>
+      </p:sp>
+      <p:sp>
+        <p:nvSpPr>
+          <p:cNvPr id="129" name="OTLSHAPE_SL2A_2e6cd13b9934453f9569c04e5e65a6eb_HeaderRectangle" hidden="1"/>
+          <p:cNvSpPr/>
+          <p:nvPr>
+            <p:custDataLst>
+              <p:tags r:id="rId16"/>
+            </p:custDataLst>
+          </p:nvPr>
+        </p:nvSpPr>
+        <p:spPr>
+          <a:xfrm>
+            <a:off x="2095500" y="6231255"/>
+            <a:ext cx="0" cy="0"/>
+          </a:xfrm>
+          <a:prstGeom prst="rect">
+            <a:avLst/>
+          </a:prstGeom>
+          <a:solidFill>
+            <a:schemeClr val="accent3">
+              <a:alpha val="24706"/>
+            </a:schemeClr>
+          </a:solidFill>
+          <a:ln w="12700" cap="flat" cmpd="sng" algn="ctr">
+            <a:noFill/>
+            <a:prstDash val="solid"/>
+            <a:miter lim="800000"/>
+          </a:ln>
+          <a:effectLst/>
+          <a:extLst>
+            <a:ext uri="{91240B29-F687-4F45-9708-019B960494DF}">
+              <a14:hiddenLine xmlns:a14="http://schemas.microsoft.com/office/drawing/2010/main" w="12700" cap="flat" cmpd="sng" algn="ctr">
+                <a:solidFill>
+                  <a:schemeClr val="accent1">
+                    <a:shade val="50000"/>
+                  </a:schemeClr>
+                </a:solidFill>
+                <a:prstDash val="solid"/>
+                <a:miter lim="800000"/>
+              </a14:hiddenLine>
+            </a:ext>
+          </a:extLst>
+        </p:spPr>
+        <p:style>
+          <a:lnRef idx="2">
+            <a:schemeClr val="accent1">
+              <a:shade val="50000"/>
+            </a:schemeClr>
+          </a:lnRef>
+          <a:fillRef idx="1">
+            <a:schemeClr val="accent1"/>
+          </a:fillRef>
+          <a:effectRef idx="0">
+            <a:schemeClr val="accent1"/>
+          </a:effectRef>
+          <a:fontRef idx="minor">
+            <a:schemeClr val="lt1"/>
+          </a:fontRef>
+        </p:style>
+        <p:txBody>
+          <a:bodyPr rtlCol="0" anchor="ctr"/>
+          <a:lstStyle/>
+          <a:p>
+            <a:pPr algn="ctr"/>
+            <a:endParaRPr lang="en-US"/>
+          </a:p>
+        </p:txBody>
+      </p:sp>
+      <p:cxnSp>
+        <p:nvCxnSpPr>
+          <p:cNvPr id="26" name="OTLSHAPE_G_00000000000000000000000000000000_ShapeBelow0"/>
+          <p:cNvCxnSpPr/>
+          <p:nvPr>
+            <p:custDataLst>
+              <p:tags r:id="rId17"/>
+            </p:custDataLst>
+          </p:nvPr>
+        </p:nvCxnSpPr>
+        <p:spPr>
+          <a:xfrm>
+            <a:off x="3118484" y="3429000"/>
+            <a:ext cx="0" cy="3348355"/>
+          </a:xfrm>
+          <a:prstGeom prst="line">
+            <a:avLst/>
+          </a:prstGeom>
+          <a:ln w="9525" cap="flat" cmpd="sng" algn="ctr">
+            <a:solidFill>
+              <a:schemeClr val="accent1">
+                <a:alpha val="14902"/>
+              </a:schemeClr>
+            </a:solidFill>
+            <a:prstDash val="solid"/>
+            <a:miter lim="800000"/>
+            <a:headEnd type="none" w="med" len="med"/>
+            <a:tailEnd type="none" w="med" len="med"/>
+          </a:ln>
+        </p:spPr>
+        <p:style>
+          <a:lnRef idx="1">
+            <a:schemeClr val="accent1"/>
+          </a:lnRef>
+          <a:fillRef idx="0">
+            <a:schemeClr val="accent1"/>
+          </a:fillRef>
+          <a:effectRef idx="0">
+            <a:schemeClr val="accent1"/>
+          </a:effectRef>
+          <a:fontRef idx="minor">
+            <a:schemeClr val="tx1"/>
+          </a:fontRef>
+        </p:style>
+      </p:cxnSp>
+      <p:cxnSp>
+        <p:nvCxnSpPr>
+          <p:cNvPr id="117" name="OTLSHAPE_G_00000000000000000000000000000000_ShapeBelow1"/>
+          <p:cNvCxnSpPr/>
+          <p:nvPr>
+            <p:custDataLst>
+              <p:tags r:id="rId18"/>
+            </p:custDataLst>
+          </p:nvPr>
+        </p:nvCxnSpPr>
+        <p:spPr>
+          <a:xfrm>
+            <a:off x="4014479" y="3429001"/>
+            <a:ext cx="0" cy="3348355"/>
+          </a:xfrm>
+          <a:prstGeom prst="line">
+            <a:avLst/>
+          </a:prstGeom>
+          <a:ln w="9525" cap="flat" cmpd="sng" algn="ctr">
+            <a:solidFill>
+              <a:schemeClr val="accent1">
+                <a:alpha val="14902"/>
+              </a:schemeClr>
+            </a:solidFill>
+            <a:prstDash val="solid"/>
+            <a:miter lim="800000"/>
+            <a:headEnd type="none" w="med" len="med"/>
+            <a:tailEnd type="none" w="med" len="med"/>
+          </a:ln>
+        </p:spPr>
+        <p:style>
+          <a:lnRef idx="1">
+            <a:schemeClr val="accent1"/>
+          </a:lnRef>
+          <a:fillRef idx="0">
+            <a:schemeClr val="accent1"/>
+          </a:fillRef>
+          <a:effectRef idx="0">
+            <a:schemeClr val="accent1"/>
+          </a:effectRef>
+          <a:fontRef idx="minor">
+            <a:schemeClr val="tx1"/>
+          </a:fontRef>
+        </p:style>
+      </p:cxnSp>
+      <p:cxnSp>
+        <p:nvCxnSpPr>
+          <p:cNvPr id="100" name="OTLSHAPE_G_00000000000000000000000000000000_ShapeBelow2"/>
+          <p:cNvCxnSpPr/>
+          <p:nvPr>
+            <p:custDataLst>
+              <p:tags r:id="rId19"/>
+            </p:custDataLst>
+          </p:nvPr>
+        </p:nvCxnSpPr>
+        <p:spPr>
+          <a:xfrm>
+            <a:off x="4910473" y="3429000"/>
+            <a:ext cx="0" cy="3348355"/>
+          </a:xfrm>
+          <a:prstGeom prst="line">
+            <a:avLst/>
+          </a:prstGeom>
+          <a:ln w="9525" cap="flat" cmpd="sng" algn="ctr">
+            <a:solidFill>
+              <a:schemeClr val="accent1">
+                <a:alpha val="14902"/>
+              </a:schemeClr>
+            </a:solidFill>
+            <a:prstDash val="solid"/>
+            <a:miter lim="800000"/>
+            <a:headEnd type="none" w="med" len="med"/>
+            <a:tailEnd type="none" w="med" len="med"/>
+          </a:ln>
+        </p:spPr>
+        <p:style>
+          <a:lnRef idx="1">
+            <a:schemeClr val="accent1"/>
+          </a:lnRef>
+          <a:fillRef idx="0">
+            <a:schemeClr val="accent1"/>
+          </a:fillRef>
+          <a:effectRef idx="0">
+            <a:schemeClr val="accent1"/>
+          </a:effectRef>
+          <a:fontRef idx="minor">
+            <a:schemeClr val="tx1"/>
+          </a:fontRef>
+        </p:style>
+      </p:cxnSp>
+      <p:cxnSp>
+        <p:nvCxnSpPr>
+          <p:cNvPr id="101" name="OTLSHAPE_G_00000000000000000000000000000000_ShapeBelow3"/>
+          <p:cNvCxnSpPr/>
+          <p:nvPr>
+            <p:custDataLst>
+              <p:tags r:id="rId20"/>
+            </p:custDataLst>
+          </p:nvPr>
+        </p:nvCxnSpPr>
+        <p:spPr>
+          <a:xfrm>
+            <a:off x="5806468" y="3429000"/>
+            <a:ext cx="0" cy="3348355"/>
+          </a:xfrm>
+          <a:prstGeom prst="line">
+            <a:avLst/>
+          </a:prstGeom>
+          <a:ln w="9525" cap="flat" cmpd="sng" algn="ctr">
+            <a:solidFill>
+              <a:schemeClr val="accent1">
+                <a:alpha val="14902"/>
+              </a:schemeClr>
+            </a:solidFill>
+            <a:prstDash val="solid"/>
+            <a:miter lim="800000"/>
+            <a:headEnd type="none" w="med" len="med"/>
+            <a:tailEnd type="none" w="med" len="med"/>
+          </a:ln>
+        </p:spPr>
+        <p:style>
+          <a:lnRef idx="1">
+            <a:schemeClr val="accent1"/>
+          </a:lnRef>
+          <a:fillRef idx="0">
+            <a:schemeClr val="accent1"/>
+          </a:fillRef>
+          <a:effectRef idx="0">
+            <a:schemeClr val="accent1"/>
+          </a:effectRef>
+          <a:fontRef idx="minor">
+            <a:schemeClr val="tx1"/>
+          </a:fontRef>
+        </p:style>
+      </p:cxnSp>
+      <p:cxnSp>
+        <p:nvCxnSpPr>
+          <p:cNvPr id="102" name="OTLSHAPE_G_00000000000000000000000000000000_ShapeBelow4"/>
+          <p:cNvCxnSpPr/>
+          <p:nvPr>
+            <p:custDataLst>
+              <p:tags r:id="rId21"/>
+            </p:custDataLst>
+          </p:nvPr>
+        </p:nvCxnSpPr>
+        <p:spPr>
+          <a:xfrm>
+            <a:off x="6702462" y="3429000"/>
+            <a:ext cx="0" cy="3348355"/>
+          </a:xfrm>
+          <a:prstGeom prst="line">
+            <a:avLst/>
+          </a:prstGeom>
+          <a:ln w="9525" cap="flat" cmpd="sng" algn="ctr">
+            <a:solidFill>
+              <a:schemeClr val="accent1">
+                <a:alpha val="14902"/>
+              </a:schemeClr>
+            </a:solidFill>
+            <a:prstDash val="solid"/>
+            <a:miter lim="800000"/>
+            <a:headEnd type="none" w="med" len="med"/>
+            <a:tailEnd type="none" w="med" len="med"/>
+          </a:ln>
+        </p:spPr>
+        <p:style>
+          <a:lnRef idx="1">
+            <a:schemeClr val="accent1"/>
+          </a:lnRef>
+          <a:fillRef idx="0">
+            <a:schemeClr val="accent1"/>
+          </a:fillRef>
+          <a:effectRef idx="0">
+            <a:schemeClr val="accent1"/>
+          </a:effectRef>
+          <a:fontRef idx="minor">
+            <a:schemeClr val="tx1"/>
+          </a:fontRef>
+        </p:style>
+      </p:cxnSp>
+      <p:cxnSp>
+        <p:nvCxnSpPr>
+          <p:cNvPr id="103" name="OTLSHAPE_G_00000000000000000000000000000000_ShapeBelow5"/>
+          <p:cNvCxnSpPr/>
+          <p:nvPr>
+            <p:custDataLst>
+              <p:tags r:id="rId22"/>
+            </p:custDataLst>
+          </p:nvPr>
+        </p:nvCxnSpPr>
+        <p:spPr>
+          <a:xfrm>
+            <a:off x="7598456" y="3429000"/>
+            <a:ext cx="0" cy="3348355"/>
+          </a:xfrm>
+          <a:prstGeom prst="line">
+            <a:avLst/>
+          </a:prstGeom>
+          <a:ln w="9525" cap="flat" cmpd="sng" algn="ctr">
+            <a:solidFill>
+              <a:schemeClr val="accent1">
+                <a:alpha val="14902"/>
+              </a:schemeClr>
+            </a:solidFill>
+            <a:prstDash val="solid"/>
+            <a:miter lim="800000"/>
+            <a:headEnd type="none" w="med" len="med"/>
+            <a:tailEnd type="none" w="med" len="med"/>
+          </a:ln>
+        </p:spPr>
+        <p:style>
+          <a:lnRef idx="1">
+            <a:schemeClr val="accent1"/>
+          </a:lnRef>
+          <a:fillRef idx="0">
+            <a:schemeClr val="accent1"/>
+          </a:fillRef>
+          <a:effectRef idx="0">
+            <a:schemeClr val="accent1"/>
+          </a:effectRef>
+          <a:fontRef idx="minor">
+            <a:schemeClr val="tx1"/>
+          </a:fontRef>
+        </p:style>
+      </p:cxnSp>
+      <p:cxnSp>
+        <p:nvCxnSpPr>
+          <p:cNvPr id="104" name="OTLSHAPE_G_00000000000000000000000000000000_ShapeBelow6"/>
+          <p:cNvCxnSpPr/>
+          <p:nvPr>
+            <p:custDataLst>
+              <p:tags r:id="rId23"/>
+            </p:custDataLst>
+          </p:nvPr>
+        </p:nvCxnSpPr>
+        <p:spPr>
+          <a:xfrm>
+            <a:off x="8494451" y="3429000"/>
+            <a:ext cx="0" cy="3348355"/>
+          </a:xfrm>
+          <a:prstGeom prst="line">
+            <a:avLst/>
+          </a:prstGeom>
+          <a:ln w="9525" cap="flat" cmpd="sng" algn="ctr">
+            <a:solidFill>
+              <a:schemeClr val="accent1">
+                <a:alpha val="14902"/>
+              </a:schemeClr>
+            </a:solidFill>
+            <a:prstDash val="solid"/>
+            <a:miter lim="800000"/>
+            <a:headEnd type="none" w="med" len="med"/>
+            <a:tailEnd type="none" w="med" len="med"/>
+          </a:ln>
+        </p:spPr>
+        <p:style>
+          <a:lnRef idx="1">
+            <a:schemeClr val="accent1"/>
+          </a:lnRef>
+          <a:fillRef idx="0">
+            <a:schemeClr val="accent1"/>
+          </a:fillRef>
+          <a:effectRef idx="0">
+            <a:schemeClr val="accent1"/>
+          </a:effectRef>
+          <a:fontRef idx="minor">
+            <a:schemeClr val="tx1"/>
+          </a:fontRef>
+        </p:style>
+      </p:cxnSp>
+      <p:cxnSp>
+        <p:nvCxnSpPr>
+          <p:cNvPr id="105" name="OTLSHAPE_G_00000000000000000000000000000000_ShapeBelow7"/>
+          <p:cNvCxnSpPr/>
+          <p:nvPr>
+            <p:custDataLst>
+              <p:tags r:id="rId24"/>
+            </p:custDataLst>
+          </p:nvPr>
+        </p:nvCxnSpPr>
+        <p:spPr>
+          <a:xfrm>
+            <a:off x="9390445" y="3429000"/>
+            <a:ext cx="0" cy="3348355"/>
+          </a:xfrm>
+          <a:prstGeom prst="line">
+            <a:avLst/>
+          </a:prstGeom>
+          <a:ln w="9525" cap="flat" cmpd="sng" algn="ctr">
+            <a:solidFill>
+              <a:schemeClr val="accent1">
+                <a:alpha val="14902"/>
+              </a:schemeClr>
+            </a:solidFill>
+            <a:prstDash val="solid"/>
+            <a:miter lim="800000"/>
+            <a:headEnd type="none" w="med" len="med"/>
+            <a:tailEnd type="none" w="med" len="med"/>
+          </a:ln>
+        </p:spPr>
+        <p:style>
+          <a:lnRef idx="1">
+            <a:schemeClr val="accent1"/>
+          </a:lnRef>
+          <a:fillRef idx="0">
+            <a:schemeClr val="accent1"/>
+          </a:fillRef>
+          <a:effectRef idx="0">
+            <a:schemeClr val="accent1"/>
+          </a:effectRef>
+          <a:fontRef idx="minor">
+            <a:schemeClr val="tx1"/>
+          </a:fontRef>
+        </p:style>
+      </p:cxnSp>
+      <p:cxnSp>
+        <p:nvCxnSpPr>
+          <p:cNvPr id="108" name="OTLSHAPE_G_00000000000000000000000000000000_ShapeBelow8"/>
+          <p:cNvCxnSpPr/>
+          <p:nvPr>
+            <p:custDataLst>
+              <p:tags r:id="rId25"/>
+            </p:custDataLst>
+          </p:nvPr>
+        </p:nvCxnSpPr>
+        <p:spPr>
+          <a:xfrm>
+            <a:off x="10286440" y="3429000"/>
+            <a:ext cx="0" cy="3348355"/>
+          </a:xfrm>
+          <a:prstGeom prst="line">
+            <a:avLst/>
+          </a:prstGeom>
+          <a:ln w="9525" cap="flat" cmpd="sng" algn="ctr">
+            <a:solidFill>
+              <a:schemeClr val="accent1">
+                <a:alpha val="14902"/>
+              </a:schemeClr>
+            </a:solidFill>
+            <a:prstDash val="solid"/>
+            <a:miter lim="800000"/>
+            <a:headEnd type="none" w="med" len="med"/>
+            <a:tailEnd type="none" w="med" len="med"/>
+          </a:ln>
+        </p:spPr>
+        <p:style>
+          <a:lnRef idx="1">
+            <a:schemeClr val="accent1"/>
+          </a:lnRef>
+          <a:fillRef idx="0">
+            <a:schemeClr val="accent1"/>
+          </a:fillRef>
+          <a:effectRef idx="0">
+            <a:schemeClr val="accent1"/>
+          </a:effectRef>
+          <a:fontRef idx="minor">
+            <a:schemeClr val="tx1"/>
+          </a:fontRef>
+        </p:style>
+      </p:cxnSp>
+      <p:sp>
+        <p:nvSpPr>
+          <p:cNvPr id="109" name="OTLSHAPE_SLT_0194b4ac80d3465a82f67618660639e7_Shape"/>
+          <p:cNvSpPr/>
+          <p:nvPr>
+            <p:custDataLst>
+              <p:tags r:id="rId26"/>
+            </p:custDataLst>
+          </p:nvPr>
+        </p:nvSpPr>
+        <p:spPr>
+          <a:xfrm>
+            <a:off x="4014489" y="3983355"/>
+            <a:ext cx="7175500" cy="203200"/>
+          </a:xfrm>
+          <a:prstGeom prst="roundRect">
+            <a:avLst>
+              <a:gd name="adj" fmla="val 100000"/>
+            </a:avLst>
+          </a:prstGeom>
+          <a:solidFill>
+            <a:schemeClr val="accent1"/>
+          </a:solidFill>
+          <a:ln w="12700" cap="flat" cmpd="sng" algn="ctr">
+            <a:noFill/>
+            <a:prstDash val="solid"/>
+            <a:miter lim="800000"/>
+          </a:ln>
+          <a:effectLst/>
+          <a:scene3d>
+            <a:camera prst="orthographicFront"/>
+            <a:lightRig rig="balanced" dir="t">
+              <a:rot lat="0" lon="0" rev="8700000"/>
+            </a:lightRig>
+          </a:scene3d>
+          <a:sp3d>
+            <a:bevelT w="165100" h="12700"/>
+          </a:sp3d>
+          <a:extLst>
+            <a:ext uri="{91240B29-F687-4F45-9708-019B960494DF}">
+              <a14:hiddenLine xmlns:a14="http://schemas.microsoft.com/office/drawing/2010/main" w="12700" cap="flat" cmpd="sng" algn="ctr">
+                <a:solidFill>
+                  <a:schemeClr val="accent1">
+                    <a:shade val="50000"/>
+                  </a:schemeClr>
+                </a:solidFill>
+                <a:prstDash val="solid"/>
+                <a:miter lim="800000"/>
+              </a14:hiddenLine>
+            </a:ext>
+          </a:extLst>
+        </p:spPr>
+        <p:style>
+          <a:lnRef idx="2">
+            <a:schemeClr val="accent1">
+              <a:shade val="50000"/>
+            </a:schemeClr>
+          </a:lnRef>
+          <a:fillRef idx="1">
+            <a:schemeClr val="accent1"/>
+          </a:fillRef>
+          <a:effectRef idx="0">
+            <a:schemeClr val="accent1"/>
+          </a:effectRef>
+          <a:fontRef idx="minor">
+            <a:schemeClr val="lt1"/>
+          </a:fontRef>
+        </p:style>
+        <p:txBody>
+          <a:bodyPr rtlCol="0" anchor="ctr"/>
+          <a:lstStyle/>
+          <a:p>
+            <a:pPr algn="ctr"/>
+            <a:endParaRPr lang="en-US"/>
+          </a:p>
+        </p:txBody>
+      </p:sp>
+      <p:sp>
+        <p:nvSpPr>
+          <p:cNvPr id="156" name="OTLSHAPE_SLT_c2594a68508746189d15fef160fb738d_Shape"/>
+          <p:cNvSpPr/>
+          <p:nvPr>
+            <p:custDataLst>
+              <p:tags r:id="rId27"/>
+            </p:custDataLst>
+          </p:nvPr>
+        </p:nvSpPr>
+        <p:spPr>
+          <a:xfrm>
+            <a:off x="6702472" y="4250055"/>
+            <a:ext cx="4483100" cy="203200"/>
+          </a:xfrm>
+          <a:prstGeom prst="roundRect">
+            <a:avLst>
+              <a:gd name="adj" fmla="val 100000"/>
+            </a:avLst>
+          </a:prstGeom>
+          <a:solidFill>
+            <a:schemeClr val="accent1"/>
+          </a:solidFill>
+          <a:ln w="12700" cap="flat" cmpd="sng" algn="ctr">
+            <a:noFill/>
+            <a:prstDash val="solid"/>
+            <a:miter lim="800000"/>
+          </a:ln>
+          <a:effectLst/>
+          <a:scene3d>
+            <a:camera prst="orthographicFront"/>
+            <a:lightRig rig="balanced" dir="t">
+              <a:rot lat="0" lon="0" rev="8700000"/>
+            </a:lightRig>
+          </a:scene3d>
+          <a:sp3d>
+            <a:bevelT w="165100" h="12700"/>
+          </a:sp3d>
+          <a:extLst>
+            <a:ext uri="{91240B29-F687-4F45-9708-019B960494DF}">
+              <a14:hiddenLine xmlns:a14="http://schemas.microsoft.com/office/drawing/2010/main" w="12700" cap="flat" cmpd="sng" algn="ctr">
+                <a:solidFill>
+                  <a:schemeClr val="accent1">
+                    <a:shade val="50000"/>
+                  </a:schemeClr>
+                </a:solidFill>
+                <a:prstDash val="solid"/>
+                <a:miter lim="800000"/>
+              </a14:hiddenLine>
+            </a:ext>
+          </a:extLst>
+        </p:spPr>
+        <p:style>
+          <a:lnRef idx="2">
+            <a:schemeClr val="accent1">
+              <a:shade val="50000"/>
+            </a:schemeClr>
+          </a:lnRef>
+          <a:fillRef idx="1">
+            <a:schemeClr val="accent1"/>
+          </a:fillRef>
+          <a:effectRef idx="0">
+            <a:schemeClr val="accent1"/>
+          </a:effectRef>
+          <a:fontRef idx="minor">
+            <a:schemeClr val="lt1"/>
+          </a:fontRef>
+        </p:style>
+        <p:txBody>
+          <a:bodyPr rtlCol="0" anchor="ctr"/>
+          <a:lstStyle/>
+          <a:p>
+            <a:pPr algn="ctr"/>
+            <a:endParaRPr lang="en-US"/>
+          </a:p>
+        </p:txBody>
+      </p:sp>
+      <p:sp>
+        <p:nvSpPr>
+          <p:cNvPr id="166" name="OTLSHAPE_SLT_e14081218d4a44a8abce49e6f1a73747_Shape"/>
+          <p:cNvSpPr/>
+          <p:nvPr>
+            <p:custDataLst>
+              <p:tags r:id="rId28"/>
+            </p:custDataLst>
+          </p:nvPr>
+        </p:nvSpPr>
+        <p:spPr>
+          <a:xfrm>
+            <a:off x="2222500" y="4592955"/>
+            <a:ext cx="1803400" cy="203200"/>
+          </a:xfrm>
+          <a:prstGeom prst="roundRect">
+            <a:avLst>
+              <a:gd name="adj" fmla="val 100000"/>
+            </a:avLst>
+          </a:prstGeom>
+          <a:solidFill>
+            <a:schemeClr val="accent1"/>
+          </a:solidFill>
+          <a:ln w="12700" cap="flat" cmpd="sng" algn="ctr">
+            <a:noFill/>
+            <a:prstDash val="solid"/>
+            <a:miter lim="800000"/>
+          </a:ln>
+          <a:effectLst/>
+          <a:scene3d>
+            <a:camera prst="orthographicFront"/>
+            <a:lightRig rig="balanced" dir="t">
+              <a:rot lat="0" lon="0" rev="8700000"/>
+            </a:lightRig>
+          </a:scene3d>
+          <a:sp3d>
+            <a:bevelT w="165100" h="12700"/>
+          </a:sp3d>
+          <a:extLst>
+            <a:ext uri="{91240B29-F687-4F45-9708-019B960494DF}">
+              <a14:hiddenLine xmlns:a14="http://schemas.microsoft.com/office/drawing/2010/main" w="12700" cap="flat" cmpd="sng" algn="ctr">
+                <a:solidFill>
+                  <a:schemeClr val="accent1">
+                    <a:shade val="50000"/>
+                  </a:schemeClr>
+                </a:solidFill>
+                <a:prstDash val="solid"/>
+                <a:miter lim="800000"/>
+              </a14:hiddenLine>
+            </a:ext>
+          </a:extLst>
+        </p:spPr>
+        <p:style>
+          <a:lnRef idx="2">
+            <a:schemeClr val="accent1">
+              <a:shade val="50000"/>
+            </a:schemeClr>
+          </a:lnRef>
+          <a:fillRef idx="1">
+            <a:schemeClr val="accent1"/>
+          </a:fillRef>
+          <a:effectRef idx="0">
+            <a:schemeClr val="accent1"/>
+          </a:effectRef>
+          <a:fontRef idx="minor">
+            <a:schemeClr val="lt1"/>
+          </a:fontRef>
+        </p:style>
+        <p:txBody>
+          <a:bodyPr rtlCol="0" anchor="ctr"/>
+          <a:lstStyle/>
+          <a:p>
+            <a:pPr algn="ctr"/>
+            <a:endParaRPr lang="en-US"/>
+          </a:p>
+        </p:txBody>
+      </p:sp>
+      <p:sp>
+        <p:nvSpPr>
+          <p:cNvPr id="174" name="OTLSHAPE_SLT_fd02d61b6e414be081aa8187ace2dc5e_Shape"/>
+          <p:cNvSpPr/>
+          <p:nvPr>
+            <p:custDataLst>
+              <p:tags r:id="rId29"/>
+            </p:custDataLst>
+          </p:nvPr>
+        </p:nvSpPr>
+        <p:spPr>
+          <a:xfrm>
+            <a:off x="3118495" y="4859655"/>
+            <a:ext cx="3594100" cy="203200"/>
+          </a:xfrm>
+          <a:prstGeom prst="roundRect">
+            <a:avLst>
+              <a:gd name="adj" fmla="val 100000"/>
+            </a:avLst>
+          </a:prstGeom>
+          <a:solidFill>
+            <a:schemeClr val="accent1"/>
+          </a:solidFill>
+          <a:ln w="12700" cap="flat" cmpd="sng" algn="ctr">
+            <a:noFill/>
+            <a:prstDash val="solid"/>
+            <a:miter lim="800000"/>
+          </a:ln>
+          <a:effectLst/>
+          <a:scene3d>
+            <a:camera prst="orthographicFront"/>
+            <a:lightRig rig="balanced" dir="t">
+              <a:rot lat="0" lon="0" rev="8700000"/>
+            </a:lightRig>
+          </a:scene3d>
+          <a:sp3d>
+            <a:bevelT w="165100" h="12700"/>
+          </a:sp3d>
+          <a:extLst>
+            <a:ext uri="{91240B29-F687-4F45-9708-019B960494DF}">
+              <a14:hiddenLine xmlns:a14="http://schemas.microsoft.com/office/drawing/2010/main" w="12700" cap="flat" cmpd="sng" algn="ctr">
+                <a:solidFill>
+                  <a:schemeClr val="accent1">
+                    <a:shade val="50000"/>
+                  </a:schemeClr>
+                </a:solidFill>
+                <a:prstDash val="solid"/>
+                <a:miter lim="800000"/>
+              </a14:hiddenLine>
+            </a:ext>
+          </a:extLst>
+        </p:spPr>
+        <p:style>
+          <a:lnRef idx="2">
+            <a:schemeClr val="accent1">
+              <a:shade val="50000"/>
+            </a:schemeClr>
+          </a:lnRef>
+          <a:fillRef idx="1">
+            <a:schemeClr val="accent1"/>
+          </a:fillRef>
+          <a:effectRef idx="0">
+            <a:schemeClr val="accent1"/>
+          </a:effectRef>
+          <a:fontRef idx="minor">
+            <a:schemeClr val="lt1"/>
+          </a:fontRef>
+        </p:style>
+        <p:txBody>
+          <a:bodyPr rtlCol="0" anchor="ctr"/>
+          <a:lstStyle/>
+          <a:p>
+            <a:pPr algn="ctr"/>
+            <a:endParaRPr lang="en-US"/>
+          </a:p>
+        </p:txBody>
+      </p:sp>
+      <p:sp>
+        <p:nvSpPr>
+          <p:cNvPr id="182" name="OTLSHAPE_SLT_fe49809daea842a792bda8e52088460b_Shape"/>
+          <p:cNvSpPr/>
+          <p:nvPr>
+            <p:custDataLst>
+              <p:tags r:id="rId30"/>
+            </p:custDataLst>
+          </p:nvPr>
+        </p:nvSpPr>
+        <p:spPr>
+          <a:xfrm>
+            <a:off x="7598467" y="5126355"/>
+            <a:ext cx="2692400" cy="203200"/>
+          </a:xfrm>
+          <a:prstGeom prst="roundRect">
+            <a:avLst>
+              <a:gd name="adj" fmla="val 100000"/>
+            </a:avLst>
+          </a:prstGeom>
+          <a:solidFill>
+            <a:schemeClr val="accent1"/>
+          </a:solidFill>
+          <a:ln w="12700" cap="flat" cmpd="sng" algn="ctr">
+            <a:noFill/>
+            <a:prstDash val="solid"/>
+            <a:miter lim="800000"/>
+          </a:ln>
+          <a:effectLst/>
+          <a:scene3d>
+            <a:camera prst="orthographicFront"/>
+            <a:lightRig rig="balanced" dir="t">
+              <a:rot lat="0" lon="0" rev="8700000"/>
+            </a:lightRig>
+          </a:scene3d>
+          <a:sp3d>
+            <a:bevelT w="165100" h="12700"/>
+          </a:sp3d>
+          <a:extLst>
+            <a:ext uri="{91240B29-F687-4F45-9708-019B960494DF}">
+              <a14:hiddenLine xmlns:a14="http://schemas.microsoft.com/office/drawing/2010/main" w="12700" cap="flat" cmpd="sng" algn="ctr">
+                <a:solidFill>
+                  <a:schemeClr val="accent1">
+                    <a:shade val="50000"/>
+                  </a:schemeClr>
+                </a:solidFill>
+                <a:prstDash val="solid"/>
+                <a:miter lim="800000"/>
+              </a14:hiddenLine>
+            </a:ext>
+          </a:extLst>
+        </p:spPr>
+        <p:style>
+          <a:lnRef idx="2">
+            <a:schemeClr val="accent1">
+              <a:shade val="50000"/>
+            </a:schemeClr>
+          </a:lnRef>
+          <a:fillRef idx="1">
+            <a:schemeClr val="accent1"/>
+          </a:fillRef>
+          <a:effectRef idx="0">
+            <a:schemeClr val="accent1"/>
+          </a:effectRef>
+          <a:fontRef idx="minor">
+            <a:schemeClr val="lt1"/>
+          </a:fontRef>
+        </p:style>
+        <p:txBody>
+          <a:bodyPr rtlCol="0" anchor="ctr"/>
+          <a:lstStyle/>
+          <a:p>
+            <a:pPr algn="ctr"/>
+            <a:endParaRPr lang="en-US"/>
+          </a:p>
+        </p:txBody>
+      </p:sp>
+      <p:sp>
+        <p:nvSpPr>
+          <p:cNvPr id="190" name="OTLSHAPE_SLT_0d400a0202b04264b52f11081eef6ea0_Shape"/>
+          <p:cNvSpPr/>
+          <p:nvPr>
+            <p:custDataLst>
+              <p:tags r:id="rId31"/>
+            </p:custDataLst>
+          </p:nvPr>
+        </p:nvSpPr>
+        <p:spPr>
+          <a:xfrm>
+            <a:off x="5806478" y="5393055"/>
+            <a:ext cx="4483100" cy="203200"/>
+          </a:xfrm>
+          <a:prstGeom prst="roundRect">
+            <a:avLst>
+              <a:gd name="adj" fmla="val 100000"/>
+            </a:avLst>
+          </a:prstGeom>
+          <a:solidFill>
+            <a:schemeClr val="accent1"/>
+          </a:solidFill>
+          <a:ln w="12700" cap="flat" cmpd="sng" algn="ctr">
+            <a:noFill/>
+            <a:prstDash val="solid"/>
+            <a:miter lim="800000"/>
+          </a:ln>
+          <a:effectLst/>
+          <a:scene3d>
+            <a:camera prst="orthographicFront"/>
+            <a:lightRig rig="balanced" dir="t">
+              <a:rot lat="0" lon="0" rev="8700000"/>
+            </a:lightRig>
+          </a:scene3d>
+          <a:sp3d>
+            <a:bevelT w="165100" h="12700"/>
+          </a:sp3d>
+          <a:extLst>
+            <a:ext uri="{91240B29-F687-4F45-9708-019B960494DF}">
+              <a14:hiddenLine xmlns:a14="http://schemas.microsoft.com/office/drawing/2010/main" w="12700" cap="flat" cmpd="sng" algn="ctr">
+                <a:solidFill>
+                  <a:schemeClr val="accent1">
+                    <a:shade val="50000"/>
+                  </a:schemeClr>
+                </a:solidFill>
+                <a:prstDash val="solid"/>
+                <a:miter lim="800000"/>
+              </a14:hiddenLine>
+            </a:ext>
+          </a:extLst>
+        </p:spPr>
+        <p:style>
+          <a:lnRef idx="2">
+            <a:schemeClr val="accent1">
+              <a:shade val="50000"/>
+            </a:schemeClr>
+          </a:lnRef>
+          <a:fillRef idx="1">
+            <a:schemeClr val="accent1"/>
+          </a:fillRef>
+          <a:effectRef idx="0">
+            <a:schemeClr val="accent1"/>
+          </a:effectRef>
+          <a:fontRef idx="minor">
+            <a:schemeClr val="lt1"/>
+          </a:fontRef>
+        </p:style>
+        <p:txBody>
+          <a:bodyPr rtlCol="0" anchor="ctr"/>
+          <a:lstStyle/>
+          <a:p>
+            <a:pPr algn="ctr"/>
+            <a:endParaRPr lang="en-US"/>
+          </a:p>
+        </p:txBody>
+      </p:sp>
+      <p:sp>
+        <p:nvSpPr>
+          <p:cNvPr id="198" name="OTLSHAPE_SLT_1ca13ca5a95c4937b6da3214916b30ba_Shape"/>
+          <p:cNvSpPr/>
+          <p:nvPr>
+            <p:custDataLst>
+              <p:tags r:id="rId32"/>
+            </p:custDataLst>
+          </p:nvPr>
+        </p:nvSpPr>
+        <p:spPr>
+          <a:xfrm>
+            <a:off x="6702472" y="5659755"/>
+            <a:ext cx="3594100" cy="203200"/>
+          </a:xfrm>
+          <a:prstGeom prst="roundRect">
+            <a:avLst>
+              <a:gd name="adj" fmla="val 100000"/>
+            </a:avLst>
+          </a:prstGeom>
+          <a:solidFill>
+            <a:schemeClr val="accent1"/>
+          </a:solidFill>
+          <a:ln w="12700" cap="flat" cmpd="sng" algn="ctr">
+            <a:noFill/>
+            <a:prstDash val="solid"/>
+            <a:miter lim="800000"/>
+          </a:ln>
+          <a:effectLst/>
+          <a:scene3d>
+            <a:camera prst="orthographicFront"/>
+            <a:lightRig rig="balanced" dir="t">
+              <a:rot lat="0" lon="0" rev="8700000"/>
+            </a:lightRig>
+          </a:scene3d>
+          <a:sp3d>
+            <a:bevelT w="165100" h="12700"/>
+          </a:sp3d>
+          <a:extLst>
+            <a:ext uri="{91240B29-F687-4F45-9708-019B960494DF}">
+              <a14:hiddenLine xmlns:a14="http://schemas.microsoft.com/office/drawing/2010/main" w="12700" cap="flat" cmpd="sng" algn="ctr">
+                <a:solidFill>
+                  <a:schemeClr val="accent1">
+                    <a:shade val="50000"/>
+                  </a:schemeClr>
+                </a:solidFill>
+                <a:prstDash val="solid"/>
+                <a:miter lim="800000"/>
+              </a14:hiddenLine>
+            </a:ext>
+          </a:extLst>
+        </p:spPr>
+        <p:style>
+          <a:lnRef idx="2">
+            <a:schemeClr val="accent1">
+              <a:shade val="50000"/>
+            </a:schemeClr>
+          </a:lnRef>
+          <a:fillRef idx="1">
+            <a:schemeClr val="accent1"/>
+          </a:fillRef>
+          <a:effectRef idx="0">
+            <a:schemeClr val="accent1"/>
+          </a:effectRef>
+          <a:fontRef idx="minor">
+            <a:schemeClr val="lt1"/>
+          </a:fontRef>
+        </p:style>
+        <p:txBody>
+          <a:bodyPr rtlCol="0" anchor="ctr"/>
+          <a:lstStyle/>
+          <a:p>
+            <a:pPr algn="ctr"/>
+            <a:endParaRPr lang="en-US"/>
+          </a:p>
+        </p:txBody>
+      </p:sp>
+      <p:sp>
+        <p:nvSpPr>
+          <p:cNvPr id="206" name="OTLSHAPE_SLT_8b38437b96ae47c2a89e2f9a411c8c28_Shape"/>
+          <p:cNvSpPr/>
+          <p:nvPr>
+            <p:custDataLst>
+              <p:tags r:id="rId33"/>
+            </p:custDataLst>
+          </p:nvPr>
+        </p:nvSpPr>
+        <p:spPr>
+          <a:xfrm>
+            <a:off x="8494461" y="5926455"/>
+            <a:ext cx="1803400" cy="203200"/>
+          </a:xfrm>
+          <a:prstGeom prst="roundRect">
+            <a:avLst>
+              <a:gd name="adj" fmla="val 100000"/>
+            </a:avLst>
+          </a:prstGeom>
+          <a:solidFill>
+            <a:schemeClr val="accent1"/>
+          </a:solidFill>
+          <a:ln w="12700" cap="flat" cmpd="sng" algn="ctr">
+            <a:noFill/>
+            <a:prstDash val="solid"/>
+            <a:miter lim="800000"/>
+          </a:ln>
+          <a:effectLst/>
+          <a:scene3d>
+            <a:camera prst="orthographicFront"/>
+            <a:lightRig rig="balanced" dir="t">
+              <a:rot lat="0" lon="0" rev="8700000"/>
+            </a:lightRig>
+          </a:scene3d>
+          <a:sp3d>
+            <a:bevelT w="165100" h="12700"/>
+          </a:sp3d>
+          <a:extLst>
+            <a:ext uri="{91240B29-F687-4F45-9708-019B960494DF}">
+              <a14:hiddenLine xmlns:a14="http://schemas.microsoft.com/office/drawing/2010/main" w="12700" cap="flat" cmpd="sng" algn="ctr">
+                <a:solidFill>
+                  <a:schemeClr val="accent1">
+                    <a:shade val="50000"/>
+                  </a:schemeClr>
+                </a:solidFill>
+                <a:prstDash val="solid"/>
+                <a:miter lim="800000"/>
+              </a14:hiddenLine>
+            </a:ext>
+          </a:extLst>
+        </p:spPr>
+        <p:style>
+          <a:lnRef idx="2">
+            <a:schemeClr val="accent1">
+              <a:shade val="50000"/>
+            </a:schemeClr>
+          </a:lnRef>
+          <a:fillRef idx="1">
+            <a:schemeClr val="accent1"/>
+          </a:fillRef>
+          <a:effectRef idx="0">
+            <a:schemeClr val="accent1"/>
+          </a:effectRef>
+          <a:fontRef idx="minor">
+            <a:schemeClr val="lt1"/>
+          </a:fontRef>
+        </p:style>
+        <p:txBody>
+          <a:bodyPr rtlCol="0" anchor="ctr"/>
+          <a:lstStyle/>
+          <a:p>
+            <a:pPr algn="ctr"/>
+            <a:endParaRPr lang="en-US"/>
+          </a:p>
+        </p:txBody>
+      </p:sp>
+      <p:sp>
+        <p:nvSpPr>
+          <p:cNvPr id="214" name="OTLSHAPE_SLT_491a5d7cd2c9422f9fa3c6a3b66fa0db_Shape"/>
+          <p:cNvSpPr/>
+          <p:nvPr>
+            <p:custDataLst>
+              <p:tags r:id="rId34"/>
+            </p:custDataLst>
+          </p:nvPr>
+        </p:nvSpPr>
+        <p:spPr>
+          <a:xfrm>
+            <a:off x="3118495" y="6269355"/>
+            <a:ext cx="2692400" cy="203200"/>
+          </a:xfrm>
+          <a:prstGeom prst="roundRect">
+            <a:avLst>
+              <a:gd name="adj" fmla="val 100000"/>
+            </a:avLst>
+          </a:prstGeom>
+          <a:solidFill>
+            <a:schemeClr val="accent1"/>
+          </a:solidFill>
+          <a:ln w="12700" cap="flat" cmpd="sng" algn="ctr">
+            <a:noFill/>
+            <a:prstDash val="solid"/>
+            <a:miter lim="800000"/>
+          </a:ln>
+          <a:effectLst/>
+          <a:scene3d>
+            <a:camera prst="orthographicFront"/>
+            <a:lightRig rig="balanced" dir="t">
+              <a:rot lat="0" lon="0" rev="8700000"/>
+            </a:lightRig>
+          </a:scene3d>
+          <a:sp3d>
+            <a:bevelT w="165100" h="12700"/>
+          </a:sp3d>
+          <a:extLst>
+            <a:ext uri="{91240B29-F687-4F45-9708-019B960494DF}">
+              <a14:hiddenLine xmlns:a14="http://schemas.microsoft.com/office/drawing/2010/main" w="12700" cap="flat" cmpd="sng" algn="ctr">
+                <a:solidFill>
+                  <a:schemeClr val="accent1">
+                    <a:shade val="50000"/>
+                  </a:schemeClr>
+                </a:solidFill>
+                <a:prstDash val="solid"/>
+                <a:miter lim="800000"/>
+              </a14:hiddenLine>
+            </a:ext>
+          </a:extLst>
+        </p:spPr>
+        <p:style>
+          <a:lnRef idx="2">
+            <a:schemeClr val="accent1">
+              <a:shade val="50000"/>
+            </a:schemeClr>
+          </a:lnRef>
+          <a:fillRef idx="1">
+            <a:schemeClr val="accent1"/>
+          </a:fillRef>
+          <a:effectRef idx="0">
+            <a:schemeClr val="accent1"/>
+          </a:effectRef>
+          <a:fontRef idx="minor">
+            <a:schemeClr val="lt1"/>
+          </a:fontRef>
+        </p:style>
+        <p:txBody>
+          <a:bodyPr rtlCol="0" anchor="ctr"/>
+          <a:lstStyle/>
+          <a:p>
+            <a:pPr algn="ctr"/>
+            <a:endParaRPr lang="en-US"/>
+          </a:p>
+        </p:txBody>
+      </p:sp>
+      <p:sp>
+        <p:nvSpPr>
+          <p:cNvPr id="222" name="OTLSHAPE_SLT_196e461fa3b94bed8bc56dc99e676deb_Shape"/>
+          <p:cNvSpPr/>
+          <p:nvPr>
+            <p:custDataLst>
+              <p:tags r:id="rId35"/>
+            </p:custDataLst>
+          </p:nvPr>
+        </p:nvSpPr>
+        <p:spPr>
+          <a:xfrm>
+            <a:off x="5806478" y="6536055"/>
+            <a:ext cx="4483100" cy="203200"/>
+          </a:xfrm>
+          <a:prstGeom prst="roundRect">
+            <a:avLst>
+              <a:gd name="adj" fmla="val 100000"/>
+            </a:avLst>
+          </a:prstGeom>
+          <a:solidFill>
+            <a:schemeClr val="accent1"/>
+          </a:solidFill>
+          <a:ln w="12700" cap="flat" cmpd="sng" algn="ctr">
+            <a:noFill/>
+            <a:prstDash val="solid"/>
+            <a:miter lim="800000"/>
+          </a:ln>
+          <a:effectLst/>
+          <a:scene3d>
+            <a:camera prst="orthographicFront"/>
+            <a:lightRig rig="balanced" dir="t">
+              <a:rot lat="0" lon="0" rev="8700000"/>
+            </a:lightRig>
+          </a:scene3d>
+          <a:sp3d>
+            <a:bevelT w="165100" h="12700"/>
+          </a:sp3d>
+          <a:extLst>
+            <a:ext uri="{91240B29-F687-4F45-9708-019B960494DF}">
+              <a14:hiddenLine xmlns:a14="http://schemas.microsoft.com/office/drawing/2010/main" w="12700" cap="flat" cmpd="sng" algn="ctr">
+                <a:solidFill>
+                  <a:schemeClr val="accent1">
+                    <a:shade val="50000"/>
+                  </a:schemeClr>
+                </a:solidFill>
+                <a:prstDash val="solid"/>
+                <a:miter lim="800000"/>
+              </a14:hiddenLine>
+            </a:ext>
+          </a:extLst>
+        </p:spPr>
+        <p:style>
+          <a:lnRef idx="2">
+            <a:schemeClr val="accent1">
+              <a:shade val="50000"/>
+            </a:schemeClr>
+          </a:lnRef>
+          <a:fillRef idx="1">
+            <a:schemeClr val="accent1"/>
+          </a:fillRef>
+          <a:effectRef idx="0">
+            <a:schemeClr val="accent1"/>
+          </a:effectRef>
+          <a:fontRef idx="minor">
+            <a:schemeClr val="lt1"/>
+          </a:fontRef>
+        </p:style>
+        <p:txBody>
+          <a:bodyPr rtlCol="0" anchor="ctr"/>
+          <a:lstStyle/>
+          <a:p>
+            <a:pPr algn="ctr"/>
+            <a:endParaRPr lang="en-US"/>
+          </a:p>
+        </p:txBody>
+      </p:sp>
+      <p:sp>
+        <p:nvSpPr>
+          <p:cNvPr id="5" name="OTLSHAPE_TB_00000000000000000000000000000000_ElapsedTime"/>
+          <p:cNvSpPr/>
+          <p:nvPr>
+            <p:custDataLst>
+              <p:tags r:id="rId36"/>
+            </p:custDataLst>
+          </p:nvPr>
+        </p:nvSpPr>
+        <p:spPr>
+          <a:xfrm>
+            <a:off x="2057400" y="3048000"/>
+            <a:ext cx="8318500" cy="381000"/>
+          </a:xfrm>
+          <a:prstGeom prst="roundRect">
+            <a:avLst>
+              <a:gd name="adj" fmla="val 10000000"/>
+            </a:avLst>
+          </a:prstGeom>
+          <a:solidFill>
+            <a:srgbClr val="FF0000">
+              <a:alpha val="30196"/>
+            </a:srgbClr>
+          </a:solidFill>
+          <a:ln w="12700" cap="flat" cmpd="sng" algn="ctr">
+            <a:noFill/>
+            <a:prstDash val="solid"/>
+            <a:miter lim="800000"/>
+          </a:ln>
+          <a:effectLst/>
+          <a:scene3d>
+            <a:camera prst="orthographicFront"/>
+            <a:lightRig rig="threePt" dir="t"/>
+          </a:scene3d>
+          <a:sp3d>
+            <a:bevelT w="12700" h="139700"/>
+          </a:sp3d>
+          <a:extLst>
+            <a:ext uri="{91240B29-F687-4F45-9708-019B960494DF}">
+              <a14:hiddenLine xmlns:a14="http://schemas.microsoft.com/office/drawing/2010/main" w="12700" cap="flat" cmpd="sng" algn="ctr">
+                <a:solidFill>
+                  <a:schemeClr val="accent1">
+                    <a:shade val="50000"/>
+                  </a:schemeClr>
+                </a:solidFill>
+                <a:prstDash val="solid"/>
+                <a:miter lim="800000"/>
+              </a14:hiddenLine>
+            </a:ext>
+          </a:extLst>
+        </p:spPr>
+        <p:style>
+          <a:lnRef idx="2">
+            <a:schemeClr val="accent1">
+              <a:shade val="50000"/>
+            </a:schemeClr>
+          </a:lnRef>
+          <a:fillRef idx="1">
+            <a:schemeClr val="accent1"/>
+          </a:fillRef>
+          <a:effectRef idx="0">
+            <a:schemeClr val="accent1"/>
+          </a:effectRef>
+          <a:fontRef idx="minor">
+            <a:schemeClr val="lt1"/>
+          </a:fontRef>
+        </p:style>
+        <p:txBody>
+          <a:bodyPr rtlCol="0" anchor="ctr"/>
+          <a:lstStyle/>
+          <a:p>
+            <a:pPr algn="ctr"/>
+            <a:endParaRPr lang="en-US"/>
+          </a:p>
+        </p:txBody>
+      </p:sp>
+      <p:sp>
+        <p:nvSpPr>
+          <p:cNvPr id="110" name="OTLSHAPE_SLT_0194b4ac80d3465a82f67618660639e7_ShapePercentage" hidden="1"/>
+          <p:cNvSpPr/>
+          <p:nvPr>
+            <p:custDataLst>
+              <p:tags r:id="rId37"/>
+            </p:custDataLst>
+          </p:nvPr>
+        </p:nvSpPr>
+        <p:spPr>
+          <a:xfrm>
+            <a:off x="4014489" y="3983355"/>
+            <a:ext cx="0" cy="0"/>
+          </a:xfrm>
+          <a:prstGeom prst="roundRect">
+            <a:avLst>
+              <a:gd name="adj" fmla="val 100000"/>
+            </a:avLst>
+          </a:prstGeom>
+          <a:solidFill>
+            <a:schemeClr val="dk1">
+              <a:alpha val="34902"/>
+            </a:schemeClr>
+          </a:solidFill>
+          <a:ln w="12700" cap="flat" cmpd="sng" algn="ctr">
+            <a:noFill/>
+            <a:prstDash val="solid"/>
+            <a:miter lim="800000"/>
+          </a:ln>
+          <a:effectLst/>
+          <a:extLst>
+            <a:ext uri="{91240B29-F687-4F45-9708-019B960494DF}">
+              <a14:hiddenLine xmlns:a14="http://schemas.microsoft.com/office/drawing/2010/main" w="12700" cap="flat" cmpd="sng" algn="ctr">
+                <a:solidFill>
+                  <a:schemeClr val="accent1">
+                    <a:shade val="50000"/>
+                  </a:schemeClr>
+                </a:solidFill>
+                <a:prstDash val="solid"/>
+                <a:miter lim="800000"/>
+              </a14:hiddenLine>
+            </a:ext>
+          </a:extLst>
+        </p:spPr>
+        <p:style>
+          <a:lnRef idx="2">
+            <a:schemeClr val="accent1">
+              <a:shade val="50000"/>
+            </a:schemeClr>
+          </a:lnRef>
+          <a:fillRef idx="1">
+            <a:schemeClr val="accent1"/>
+          </a:fillRef>
+          <a:effectRef idx="0">
+            <a:schemeClr val="accent1"/>
+          </a:effectRef>
+          <a:fontRef idx="minor">
+            <a:schemeClr val="lt1"/>
+          </a:fontRef>
+        </p:style>
+        <p:txBody>
+          <a:bodyPr rtlCol="0" anchor="ctr"/>
+          <a:lstStyle/>
+          <a:p>
+            <a:pPr algn="ctr"/>
+            <a:endParaRPr lang="en-US"/>
+          </a:p>
+        </p:txBody>
+      </p:sp>
+      <p:sp>
+        <p:nvSpPr>
+          <p:cNvPr id="159" name="OTLSHAPE_SLT_c2594a68508746189d15fef160fb738d_ShapePercentage" hidden="1"/>
+          <p:cNvSpPr/>
+          <p:nvPr>
+            <p:custDataLst>
+              <p:tags r:id="rId38"/>
+            </p:custDataLst>
+          </p:nvPr>
+        </p:nvSpPr>
+        <p:spPr>
+          <a:xfrm>
+            <a:off x="6702472" y="4250055"/>
+            <a:ext cx="0" cy="0"/>
+          </a:xfrm>
+          <a:prstGeom prst="roundRect">
+            <a:avLst>
+              <a:gd name="adj" fmla="val 100000"/>
+            </a:avLst>
+          </a:prstGeom>
+          <a:solidFill>
+            <a:schemeClr val="dk1">
+              <a:alpha val="34902"/>
+            </a:schemeClr>
+          </a:solidFill>
+          <a:ln w="12700" cap="flat" cmpd="sng" algn="ctr">
+            <a:noFill/>
+            <a:prstDash val="solid"/>
+            <a:miter lim="800000"/>
+          </a:ln>
+          <a:effectLst/>
+          <a:extLst>
+            <a:ext uri="{91240B29-F687-4F45-9708-019B960494DF}">
+              <a14:hiddenLine xmlns:a14="http://schemas.microsoft.com/office/drawing/2010/main" w="12700" cap="flat" cmpd="sng" algn="ctr">
+                <a:solidFill>
+                  <a:schemeClr val="accent1">
+                    <a:shade val="50000"/>
+                  </a:schemeClr>
+                </a:solidFill>
+                <a:prstDash val="solid"/>
+                <a:miter lim="800000"/>
+              </a14:hiddenLine>
+            </a:ext>
+          </a:extLst>
+        </p:spPr>
+        <p:style>
+          <a:lnRef idx="2">
+            <a:schemeClr val="accent1">
+              <a:shade val="50000"/>
+            </a:schemeClr>
+          </a:lnRef>
+          <a:fillRef idx="1">
+            <a:schemeClr val="accent1"/>
+          </a:fillRef>
+          <a:effectRef idx="0">
+            <a:schemeClr val="accent1"/>
+          </a:effectRef>
+          <a:fontRef idx="minor">
+            <a:schemeClr val="lt1"/>
+          </a:fontRef>
+        </p:style>
+        <p:txBody>
+          <a:bodyPr rtlCol="0" anchor="ctr"/>
+          <a:lstStyle/>
+          <a:p>
+            <a:pPr algn="ctr"/>
+            <a:endParaRPr lang="en-US"/>
+          </a:p>
+        </p:txBody>
+      </p:sp>
+      <p:sp>
+        <p:nvSpPr>
+          <p:cNvPr id="167" name="OTLSHAPE_SLT_e14081218d4a44a8abce49e6f1a73747_ShapePercentage" hidden="1"/>
+          <p:cNvSpPr/>
+          <p:nvPr>
+            <p:custDataLst>
+              <p:tags r:id="rId39"/>
+            </p:custDataLst>
+          </p:nvPr>
+        </p:nvSpPr>
+        <p:spPr>
+          <a:xfrm>
+            <a:off x="2222500" y="4592955"/>
+            <a:ext cx="0" cy="0"/>
+          </a:xfrm>
+          <a:prstGeom prst="roundRect">
+            <a:avLst>
+              <a:gd name="adj" fmla="val 100000"/>
+            </a:avLst>
+          </a:prstGeom>
+          <a:solidFill>
+            <a:schemeClr val="dk1">
+              <a:alpha val="34902"/>
+            </a:schemeClr>
+          </a:solidFill>
+          <a:ln w="12700" cap="flat" cmpd="sng" algn="ctr">
+            <a:noFill/>
+            <a:prstDash val="solid"/>
+            <a:miter lim="800000"/>
+          </a:ln>
+          <a:effectLst/>
+          <a:extLst>
+            <a:ext uri="{91240B29-F687-4F45-9708-019B960494DF}">
+              <a14:hiddenLine xmlns:a14="http://schemas.microsoft.com/office/drawing/2010/main" w="12700" cap="flat" cmpd="sng" algn="ctr">
+                <a:solidFill>
+                  <a:schemeClr val="accent1">
+                    <a:shade val="50000"/>
+                  </a:schemeClr>
+                </a:solidFill>
+                <a:prstDash val="solid"/>
+                <a:miter lim="800000"/>
+              </a14:hiddenLine>
+            </a:ext>
+          </a:extLst>
+        </p:spPr>
+        <p:style>
+          <a:lnRef idx="2">
+            <a:schemeClr val="accent1">
+              <a:shade val="50000"/>
+            </a:schemeClr>
+          </a:lnRef>
+          <a:fillRef idx="1">
+            <a:schemeClr val="accent1"/>
+          </a:fillRef>
+          <a:effectRef idx="0">
+            <a:schemeClr val="accent1"/>
+          </a:effectRef>
+          <a:fontRef idx="minor">
+            <a:schemeClr val="lt1"/>
+          </a:fontRef>
+        </p:style>
+        <p:txBody>
+          <a:bodyPr rtlCol="0" anchor="ctr"/>
+          <a:lstStyle/>
+          <a:p>
+            <a:pPr algn="ctr"/>
+            <a:endParaRPr lang="en-US"/>
+          </a:p>
+        </p:txBody>
+      </p:sp>
+      <p:sp>
+        <p:nvSpPr>
+          <p:cNvPr id="175" name="OTLSHAPE_SLT_fd02d61b6e414be081aa8187ace2dc5e_ShapePercentage" hidden="1"/>
+          <p:cNvSpPr/>
+          <p:nvPr>
+            <p:custDataLst>
+              <p:tags r:id="rId40"/>
+            </p:custDataLst>
+          </p:nvPr>
+        </p:nvSpPr>
+        <p:spPr>
+          <a:xfrm>
+            <a:off x="3118495" y="4859655"/>
+            <a:ext cx="0" cy="0"/>
+          </a:xfrm>
+          <a:prstGeom prst="roundRect">
+            <a:avLst>
+              <a:gd name="adj" fmla="val 100000"/>
+            </a:avLst>
+          </a:prstGeom>
+          <a:solidFill>
+            <a:schemeClr val="dk1">
+              <a:alpha val="34902"/>
+            </a:schemeClr>
+          </a:solidFill>
+          <a:ln w="12700" cap="flat" cmpd="sng" algn="ctr">
+            <a:noFill/>
+            <a:prstDash val="solid"/>
+            <a:miter lim="800000"/>
+          </a:ln>
+          <a:effectLst/>
+          <a:extLst>
+            <a:ext uri="{91240B29-F687-4F45-9708-019B960494DF}">
+              <a14:hiddenLine xmlns:a14="http://schemas.microsoft.com/office/drawing/2010/main" w="12700" cap="flat" cmpd="sng" algn="ctr">
+                <a:solidFill>
+                  <a:schemeClr val="accent1">
+                    <a:shade val="50000"/>
+                  </a:schemeClr>
+                </a:solidFill>
+                <a:prstDash val="solid"/>
+                <a:miter lim="800000"/>
+              </a14:hiddenLine>
+            </a:ext>
+          </a:extLst>
+        </p:spPr>
+        <p:style>
+          <a:lnRef idx="2">
+            <a:schemeClr val="accent1">
+              <a:shade val="50000"/>
+            </a:schemeClr>
+          </a:lnRef>
+          <a:fillRef idx="1">
+            <a:schemeClr val="accent1"/>
+          </a:fillRef>
+          <a:effectRef idx="0">
+            <a:schemeClr val="accent1"/>
+          </a:effectRef>
+          <a:fontRef idx="minor">
+            <a:schemeClr val="lt1"/>
+          </a:fontRef>
+        </p:style>
+        <p:txBody>
+          <a:bodyPr rtlCol="0" anchor="ctr"/>
+          <a:lstStyle/>
+          <a:p>
+            <a:pPr algn="ctr"/>
+            <a:endParaRPr lang="en-US"/>
+          </a:p>
+        </p:txBody>
+      </p:sp>
+      <p:sp>
+        <p:nvSpPr>
+          <p:cNvPr id="183" name="OTLSHAPE_SLT_fe49809daea842a792bda8e52088460b_ShapePercentage" hidden="1"/>
+          <p:cNvSpPr/>
+          <p:nvPr>
+            <p:custDataLst>
+              <p:tags r:id="rId41"/>
+            </p:custDataLst>
+          </p:nvPr>
+        </p:nvSpPr>
+        <p:spPr>
+          <a:xfrm>
+            <a:off x="7598467" y="5126355"/>
+            <a:ext cx="0" cy="0"/>
+          </a:xfrm>
+          <a:prstGeom prst="roundRect">
+            <a:avLst>
+              <a:gd name="adj" fmla="val 100000"/>
+            </a:avLst>
+          </a:prstGeom>
+          <a:solidFill>
+            <a:schemeClr val="dk1">
+              <a:alpha val="34902"/>
+            </a:schemeClr>
+          </a:solidFill>
+          <a:ln w="12700" cap="flat" cmpd="sng" algn="ctr">
+            <a:noFill/>
+            <a:prstDash val="solid"/>
+            <a:miter lim="800000"/>
+          </a:ln>
+          <a:effectLst/>
+          <a:extLst>
+            <a:ext uri="{91240B29-F687-4F45-9708-019B960494DF}">
+              <a14:hiddenLine xmlns:a14="http://schemas.microsoft.com/office/drawing/2010/main" w="12700" cap="flat" cmpd="sng" algn="ctr">
+                <a:solidFill>
+                  <a:schemeClr val="accent1">
+                    <a:shade val="50000"/>
+                  </a:schemeClr>
+                </a:solidFill>
+                <a:prstDash val="solid"/>
+                <a:miter lim="800000"/>
+              </a14:hiddenLine>
+            </a:ext>
+          </a:extLst>
+        </p:spPr>
+        <p:style>
+          <a:lnRef idx="2">
+            <a:schemeClr val="accent1">
+              <a:shade val="50000"/>
+            </a:schemeClr>
+          </a:lnRef>
+          <a:fillRef idx="1">
+            <a:schemeClr val="accent1"/>
+          </a:fillRef>
+          <a:effectRef idx="0">
+            <a:schemeClr val="accent1"/>
+          </a:effectRef>
+          <a:fontRef idx="minor">
+            <a:schemeClr val="lt1"/>
+          </a:fontRef>
+        </p:style>
+        <p:txBody>
+          <a:bodyPr rtlCol="0" anchor="ctr"/>
+          <a:lstStyle/>
+          <a:p>
+            <a:pPr algn="ctr"/>
+            <a:endParaRPr lang="en-US"/>
+          </a:p>
+        </p:txBody>
+      </p:sp>
+      <p:sp>
+        <p:nvSpPr>
+          <p:cNvPr id="191" name="OTLSHAPE_SLT_0d400a0202b04264b52f11081eef6ea0_ShapePercentage" hidden="1"/>
+          <p:cNvSpPr/>
+          <p:nvPr>
+            <p:custDataLst>
+              <p:tags r:id="rId42"/>
+            </p:custDataLst>
+          </p:nvPr>
+        </p:nvSpPr>
+        <p:spPr>
+          <a:xfrm>
+            <a:off x="5806478" y="5393055"/>
+            <a:ext cx="0" cy="0"/>
+          </a:xfrm>
+          <a:prstGeom prst="roundRect">
+            <a:avLst>
+              <a:gd name="adj" fmla="val 100000"/>
+            </a:avLst>
+          </a:prstGeom>
+          <a:solidFill>
+            <a:schemeClr val="dk1">
+              <a:alpha val="34902"/>
+            </a:schemeClr>
+          </a:solidFill>
+          <a:ln w="12700" cap="flat" cmpd="sng" algn="ctr">
+            <a:noFill/>
+            <a:prstDash val="solid"/>
+            <a:miter lim="800000"/>
+          </a:ln>
+          <a:effectLst/>
+          <a:extLst>
+            <a:ext uri="{91240B29-F687-4F45-9708-019B960494DF}">
+              <a14:hiddenLine xmlns:a14="http://schemas.microsoft.com/office/drawing/2010/main" w="12700" cap="flat" cmpd="sng" algn="ctr">
+                <a:solidFill>
+                  <a:schemeClr val="accent1">
+                    <a:shade val="50000"/>
+                  </a:schemeClr>
+                </a:solidFill>
+                <a:prstDash val="solid"/>
+                <a:miter lim="800000"/>
+              </a14:hiddenLine>
+            </a:ext>
+          </a:extLst>
+        </p:spPr>
+        <p:style>
+          <a:lnRef idx="2">
+            <a:schemeClr val="accent1">
+              <a:shade val="50000"/>
+            </a:schemeClr>
+          </a:lnRef>
+          <a:fillRef idx="1">
+            <a:schemeClr val="accent1"/>
+          </a:fillRef>
+          <a:effectRef idx="0">
+            <a:schemeClr val="accent1"/>
+          </a:effectRef>
+          <a:fontRef idx="minor">
+            <a:schemeClr val="lt1"/>
+          </a:fontRef>
+        </p:style>
+        <p:txBody>
+          <a:bodyPr rtlCol="0" anchor="ctr"/>
+          <a:lstStyle/>
+          <a:p>
+            <a:pPr algn="ctr"/>
+            <a:endParaRPr lang="en-US"/>
+          </a:p>
+        </p:txBody>
+      </p:sp>
+      <p:sp>
+        <p:nvSpPr>
+          <p:cNvPr id="199" name="OTLSHAPE_SLT_1ca13ca5a95c4937b6da3214916b30ba_ShapePercentage" hidden="1"/>
+          <p:cNvSpPr/>
+          <p:nvPr>
+            <p:custDataLst>
+              <p:tags r:id="rId43"/>
+            </p:custDataLst>
+          </p:nvPr>
+        </p:nvSpPr>
+        <p:spPr>
+          <a:xfrm>
+            <a:off x="6702472" y="5659755"/>
+            <a:ext cx="0" cy="0"/>
+          </a:xfrm>
+          <a:prstGeom prst="roundRect">
+            <a:avLst>
+              <a:gd name="adj" fmla="val 100000"/>
+            </a:avLst>
+          </a:prstGeom>
+          <a:solidFill>
+            <a:schemeClr val="dk1">
+              <a:alpha val="34902"/>
+            </a:schemeClr>
+          </a:solidFill>
+          <a:ln w="12700" cap="flat" cmpd="sng" algn="ctr">
+            <a:noFill/>
+            <a:prstDash val="solid"/>
+            <a:miter lim="800000"/>
+          </a:ln>
+          <a:effectLst/>
+          <a:extLst>
+            <a:ext uri="{91240B29-F687-4F45-9708-019B960494DF}">
+              <a14:hiddenLine xmlns:a14="http://schemas.microsoft.com/office/drawing/2010/main" w="12700" cap="flat" cmpd="sng" algn="ctr">
+                <a:solidFill>
+                  <a:schemeClr val="accent1">
+                    <a:shade val="50000"/>
+                  </a:schemeClr>
+                </a:solidFill>
+                <a:prstDash val="solid"/>
+                <a:miter lim="800000"/>
+              </a14:hiddenLine>
+            </a:ext>
+          </a:extLst>
+        </p:spPr>
+        <p:style>
+          <a:lnRef idx="2">
+            <a:schemeClr val="accent1">
+              <a:shade val="50000"/>
+            </a:schemeClr>
+          </a:lnRef>
+          <a:fillRef idx="1">
+            <a:schemeClr val="accent1"/>
+          </a:fillRef>
+          <a:effectRef idx="0">
+            <a:schemeClr val="accent1"/>
+          </a:effectRef>
+          <a:fontRef idx="minor">
+            <a:schemeClr val="lt1"/>
+          </a:fontRef>
+        </p:style>
+        <p:txBody>
+          <a:bodyPr rtlCol="0" anchor="ctr"/>
+          <a:lstStyle/>
+          <a:p>
+            <a:pPr algn="ctr"/>
+            <a:endParaRPr lang="en-US"/>
+          </a:p>
+        </p:txBody>
+      </p:sp>
+      <p:sp>
+        <p:nvSpPr>
+          <p:cNvPr id="207" name="OTLSHAPE_SLT_8b38437b96ae47c2a89e2f9a411c8c28_ShapePercentage" hidden="1"/>
+          <p:cNvSpPr/>
+          <p:nvPr>
+            <p:custDataLst>
+              <p:tags r:id="rId44"/>
+            </p:custDataLst>
+          </p:nvPr>
+        </p:nvSpPr>
+        <p:spPr>
+          <a:xfrm>
+            <a:off x="8494461" y="5926455"/>
+            <a:ext cx="0" cy="0"/>
+          </a:xfrm>
+          <a:prstGeom prst="roundRect">
+            <a:avLst>
+              <a:gd name="adj" fmla="val 100000"/>
+            </a:avLst>
+          </a:prstGeom>
+          <a:solidFill>
+            <a:schemeClr val="dk1">
+              <a:alpha val="34902"/>
+            </a:schemeClr>
+          </a:solidFill>
+          <a:ln w="12700" cap="flat" cmpd="sng" algn="ctr">
+            <a:noFill/>
+            <a:prstDash val="solid"/>
+            <a:miter lim="800000"/>
+          </a:ln>
+          <a:effectLst/>
+          <a:extLst>
+            <a:ext uri="{91240B29-F687-4F45-9708-019B960494DF}">
+              <a14:hiddenLine xmlns:a14="http://schemas.microsoft.com/office/drawing/2010/main" w="12700" cap="flat" cmpd="sng" algn="ctr">
+                <a:solidFill>
+                  <a:schemeClr val="accent1">
+                    <a:shade val="50000"/>
+                  </a:schemeClr>
+                </a:solidFill>
+                <a:prstDash val="solid"/>
+                <a:miter lim="800000"/>
+              </a14:hiddenLine>
+            </a:ext>
+          </a:extLst>
+        </p:spPr>
+        <p:style>
+          <a:lnRef idx="2">
+            <a:schemeClr val="accent1">
+              <a:shade val="50000"/>
+            </a:schemeClr>
+          </a:lnRef>
+          <a:fillRef idx="1">
+            <a:schemeClr val="accent1"/>
+          </a:fillRef>
+          <a:effectRef idx="0">
+            <a:schemeClr val="accent1"/>
+          </a:effectRef>
+          <a:fontRef idx="minor">
+            <a:schemeClr val="lt1"/>
+          </a:fontRef>
+        </p:style>
+        <p:txBody>
+          <a:bodyPr rtlCol="0" anchor="ctr"/>
+          <a:lstStyle/>
+          <a:p>
+            <a:pPr algn="ctr"/>
+            <a:endParaRPr lang="en-US"/>
+          </a:p>
+        </p:txBody>
+      </p:sp>
+      <p:sp>
+        <p:nvSpPr>
+          <p:cNvPr id="215" name="OTLSHAPE_SLT_491a5d7cd2c9422f9fa3c6a3b66fa0db_ShapePercentage" hidden="1"/>
+          <p:cNvSpPr/>
+          <p:nvPr>
+            <p:custDataLst>
+              <p:tags r:id="rId45"/>
+            </p:custDataLst>
+          </p:nvPr>
+        </p:nvSpPr>
+        <p:spPr>
+          <a:xfrm>
+            <a:off x="3118495" y="6269355"/>
+            <a:ext cx="0" cy="0"/>
+          </a:xfrm>
+          <a:prstGeom prst="roundRect">
+            <a:avLst>
+              <a:gd name="adj" fmla="val 100000"/>
+            </a:avLst>
+          </a:prstGeom>
+          <a:solidFill>
+            <a:schemeClr val="dk1">
+              <a:alpha val="34902"/>
+            </a:schemeClr>
+          </a:solidFill>
+          <a:ln w="12700" cap="flat" cmpd="sng" algn="ctr">
+            <a:noFill/>
+            <a:prstDash val="solid"/>
+            <a:miter lim="800000"/>
+          </a:ln>
+          <a:effectLst/>
+          <a:extLst>
+            <a:ext uri="{91240B29-F687-4F45-9708-019B960494DF}">
+              <a14:hiddenLine xmlns:a14="http://schemas.microsoft.com/office/drawing/2010/main" w="12700" cap="flat" cmpd="sng" algn="ctr">
+                <a:solidFill>
+                  <a:schemeClr val="accent1">
+                    <a:shade val="50000"/>
+                  </a:schemeClr>
+                </a:solidFill>
+                <a:prstDash val="solid"/>
+                <a:miter lim="800000"/>
+              </a14:hiddenLine>
+            </a:ext>
+          </a:extLst>
+        </p:spPr>
+        <p:style>
+          <a:lnRef idx="2">
+            <a:schemeClr val="accent1">
+              <a:shade val="50000"/>
+            </a:schemeClr>
+          </a:lnRef>
+          <a:fillRef idx="1">
+            <a:schemeClr val="accent1"/>
+          </a:fillRef>
+          <a:effectRef idx="0">
+            <a:schemeClr val="accent1"/>
+          </a:effectRef>
+          <a:fontRef idx="minor">
+            <a:schemeClr val="lt1"/>
+          </a:fontRef>
+        </p:style>
+        <p:txBody>
+          <a:bodyPr rtlCol="0" anchor="ctr"/>
+          <a:lstStyle/>
+          <a:p>
+            <a:pPr algn="ctr"/>
+            <a:endParaRPr lang="en-US"/>
+          </a:p>
+        </p:txBody>
+      </p:sp>
+      <p:sp>
+        <p:nvSpPr>
+          <p:cNvPr id="223" name="OTLSHAPE_SLT_196e461fa3b94bed8bc56dc99e676deb_ShapePercentage" hidden="1"/>
+          <p:cNvSpPr/>
+          <p:nvPr>
+            <p:custDataLst>
+              <p:tags r:id="rId46"/>
+            </p:custDataLst>
+          </p:nvPr>
+        </p:nvSpPr>
+        <p:spPr>
+          <a:xfrm>
+            <a:off x="5806478" y="6536055"/>
+            <a:ext cx="0" cy="0"/>
+          </a:xfrm>
+          <a:prstGeom prst="roundRect">
+            <a:avLst>
+              <a:gd name="adj" fmla="val 100000"/>
+            </a:avLst>
+          </a:prstGeom>
+          <a:solidFill>
+            <a:schemeClr val="dk1">
+              <a:alpha val="34902"/>
+            </a:schemeClr>
+          </a:solidFill>
+          <a:ln w="12700" cap="flat" cmpd="sng" algn="ctr">
+            <a:noFill/>
+            <a:prstDash val="solid"/>
+            <a:miter lim="800000"/>
+          </a:ln>
+          <a:effectLst/>
+          <a:extLst>
+            <a:ext uri="{91240B29-F687-4F45-9708-019B960494DF}">
+              <a14:hiddenLine xmlns:a14="http://schemas.microsoft.com/office/drawing/2010/main" w="12700" cap="flat" cmpd="sng" algn="ctr">
+                <a:solidFill>
+                  <a:schemeClr val="accent1">
+                    <a:shade val="50000"/>
+                  </a:schemeClr>
+                </a:solidFill>
+                <a:prstDash val="solid"/>
+                <a:miter lim="800000"/>
+              </a14:hiddenLine>
+            </a:ext>
+          </a:extLst>
+        </p:spPr>
+        <p:style>
+          <a:lnRef idx="2">
+            <a:schemeClr val="accent1">
+              <a:shade val="50000"/>
+            </a:schemeClr>
+          </a:lnRef>
+          <a:fillRef idx="1">
+            <a:schemeClr val="accent1"/>
+          </a:fillRef>
+          <a:effectRef idx="0">
+            <a:schemeClr val="accent1"/>
+          </a:effectRef>
+          <a:fontRef idx="minor">
+            <a:schemeClr val="lt1"/>
+          </a:fontRef>
+        </p:style>
+        <p:txBody>
+          <a:bodyPr rtlCol="0" anchor="ctr"/>
+          <a:lstStyle/>
+          <a:p>
+            <a:pPr algn="ctr"/>
+            <a:endParaRPr lang="en-US"/>
+          </a:p>
+        </p:txBody>
+      </p:sp>
+      <p:sp>
+        <p:nvSpPr>
+          <p:cNvPr id="13" name="OTLSHAPE_SL_93b0b08ffe0b4763bf4df938f38df717_Header"/>
+          <p:cNvSpPr txBox="1"/>
+          <p:nvPr>
+            <p:custDataLst>
+              <p:tags r:id="rId47"/>
+            </p:custDataLst>
+          </p:nvPr>
+        </p:nvSpPr>
+        <p:spPr>
+          <a:xfrm>
+            <a:off x="63500" y="4125278"/>
+            <a:ext cx="2032000" cy="186055"/>
+          </a:xfrm>
+          <a:prstGeom prst="rect">
+            <a:avLst/>
+          </a:prstGeom>
+          <a:noFill/>
+        </p:spPr>
+        <p:txBody>
+          <a:bodyPr vert="horz" wrap="square" lIns="0" tIns="0" rIns="0" bIns="0" rtlCol="0" anchor="ctr" anchorCtr="0">
+            <a:noAutofit/>
+          </a:bodyPr>
+          <a:lstStyle/>
+          <a:p>
+            <a:pPr algn="ctr"/>
+            <a:r>
+              <a:rPr lang="en-US" sz="1200" smtClean="0">
+                <a:solidFill>
+                  <a:schemeClr val="lt1"/>
+                </a:solidFill>
+                <a:latin typeface="Calibri" panose="020F0502020204030204" pitchFamily="34" charset="0"/>
+              </a:rPr>
+              <a:t>Authentication</a:t>
+            </a:r>
+            <a:endParaRPr lang="en-US" sz="1200">
+              <a:solidFill>
+                <a:schemeClr val="lt1"/>
+              </a:solidFill>
+              <a:latin typeface="Calibri" panose="020F0502020204030204" pitchFamily="34" charset="0"/>
+            </a:endParaRPr>
+          </a:p>
+        </p:txBody>
+      </p:sp>
+      <p:sp>
+        <p:nvSpPr>
+          <p:cNvPr id="16" name="OTLSHAPE_SL_e20ac6c3ca0f45ddbb495b18aba18a3d_Header"/>
+          <p:cNvSpPr txBox="1"/>
+          <p:nvPr>
+            <p:custDataLst>
+              <p:tags r:id="rId48"/>
+            </p:custDataLst>
+          </p:nvPr>
+        </p:nvSpPr>
+        <p:spPr>
+          <a:xfrm>
+            <a:off x="63500" y="5268278"/>
+            <a:ext cx="2032000" cy="186055"/>
+          </a:xfrm>
+          <a:prstGeom prst="rect">
+            <a:avLst/>
+          </a:prstGeom>
+          <a:noFill/>
+        </p:spPr>
+        <p:txBody>
+          <a:bodyPr vert="horz" wrap="square" lIns="0" tIns="0" rIns="0" bIns="0" rtlCol="0" anchor="ctr" anchorCtr="0">
+            <a:noAutofit/>
+          </a:bodyPr>
+          <a:lstStyle/>
+          <a:p>
+            <a:pPr algn="ctr"/>
+            <a:r>
+              <a:rPr lang="en-US" sz="1200" smtClean="0">
+                <a:solidFill>
+                  <a:schemeClr val="lt1"/>
+                </a:solidFill>
+                <a:latin typeface="Calibri" panose="020F0502020204030204" pitchFamily="34" charset="0"/>
+              </a:rPr>
+              <a:t>Admin Features</a:t>
+            </a:r>
+            <a:endParaRPr lang="en-US" sz="1200">
+              <a:solidFill>
+                <a:schemeClr val="lt1"/>
+              </a:solidFill>
+              <a:latin typeface="Calibri" panose="020F0502020204030204" pitchFamily="34" charset="0"/>
+            </a:endParaRPr>
+          </a:p>
+        </p:txBody>
+      </p:sp>
+      <p:sp>
+        <p:nvSpPr>
+          <p:cNvPr id="28" name="OTLSHAPE_SL2A_a95ae0a881c047dcac3931e6f7201637_Header" hidden="1"/>
+          <p:cNvSpPr txBox="1"/>
+          <p:nvPr>
+            <p:custDataLst>
+              <p:tags r:id="rId49"/>
+            </p:custDataLst>
+          </p:nvPr>
+        </p:nvSpPr>
+        <p:spPr>
+          <a:xfrm>
+            <a:off x="12700" y="-271991"/>
+            <a:ext cx="0" cy="0"/>
+          </a:xfrm>
+          <a:prstGeom prst="rect">
+            <a:avLst/>
+          </a:prstGeom>
+          <a:noFill/>
+        </p:spPr>
+        <p:txBody>
+          <a:bodyPr vert="horz" wrap="square" lIns="0" tIns="0" rIns="0" bIns="0" rtlCol="0" anchor="ctr" anchorCtr="0">
+            <a:spAutoFit/>
+          </a:bodyPr>
+          <a:lstStyle/>
+          <a:p>
+            <a:endParaRPr lang="en-US" sz="1100">
+              <a:solidFill>
+                <a:schemeClr val="dk1"/>
+              </a:solidFill>
+              <a:latin typeface="Calibri" panose="020F0502020204030204" pitchFamily="34" charset="0"/>
+            </a:endParaRPr>
+          </a:p>
+        </p:txBody>
+      </p:sp>
+      <p:sp>
+        <p:nvSpPr>
+          <p:cNvPr id="55" name="OTLSHAPE_SL2A_dc076fcdd1be4207b5f93815b38cd91e_Header" hidden="1"/>
+          <p:cNvSpPr txBox="1"/>
+          <p:nvPr>
+            <p:custDataLst>
+              <p:tags r:id="rId50"/>
+            </p:custDataLst>
+          </p:nvPr>
+        </p:nvSpPr>
+        <p:spPr>
+          <a:xfrm>
+            <a:off x="12700" y="-271991"/>
+            <a:ext cx="0" cy="0"/>
+          </a:xfrm>
+          <a:prstGeom prst="rect">
+            <a:avLst/>
+          </a:prstGeom>
+          <a:noFill/>
+        </p:spPr>
+        <p:txBody>
+          <a:bodyPr vert="horz" wrap="square" lIns="0" tIns="0" rIns="0" bIns="0" rtlCol="0" anchor="ctr" anchorCtr="0">
+            <a:spAutoFit/>
+          </a:bodyPr>
+          <a:lstStyle/>
+          <a:p>
+            <a:endParaRPr lang="en-US" sz="1100">
+              <a:solidFill>
+                <a:schemeClr val="dk1"/>
+              </a:solidFill>
+              <a:latin typeface="Calibri" panose="020F0502020204030204" pitchFamily="34" charset="0"/>
+            </a:endParaRPr>
+          </a:p>
+        </p:txBody>
+      </p:sp>
+      <p:sp>
+        <p:nvSpPr>
+          <p:cNvPr id="116" name="OTLSHAPE_SL_f83814d4db5f4446a686bf6806a7fec9_Header"/>
+          <p:cNvSpPr txBox="1"/>
+          <p:nvPr>
+            <p:custDataLst>
+              <p:tags r:id="rId51"/>
+            </p:custDataLst>
+          </p:nvPr>
+        </p:nvSpPr>
+        <p:spPr>
+          <a:xfrm>
+            <a:off x="63500" y="6411278"/>
+            <a:ext cx="2032000" cy="186055"/>
+          </a:xfrm>
+          <a:prstGeom prst="rect">
+            <a:avLst/>
+          </a:prstGeom>
+          <a:noFill/>
+        </p:spPr>
+        <p:txBody>
+          <a:bodyPr vert="horz" wrap="square" lIns="0" tIns="0" rIns="0" bIns="0" rtlCol="0" anchor="ctr" anchorCtr="0">
+            <a:noAutofit/>
+          </a:bodyPr>
+          <a:lstStyle/>
+          <a:p>
+            <a:pPr algn="ctr"/>
+            <a:r>
+              <a:rPr lang="en-US" sz="1200" smtClean="0">
+                <a:solidFill>
+                  <a:schemeClr val="lt1"/>
+                </a:solidFill>
+                <a:latin typeface="Calibri" panose="020F0502020204030204" pitchFamily="34" charset="0"/>
+              </a:rPr>
+              <a:t>User Features</a:t>
+            </a:r>
+            <a:endParaRPr lang="en-US" sz="1200">
+              <a:solidFill>
+                <a:schemeClr val="lt1"/>
+              </a:solidFill>
+              <a:latin typeface="Calibri" panose="020F0502020204030204" pitchFamily="34" charset="0"/>
+            </a:endParaRPr>
+          </a:p>
+        </p:txBody>
+      </p:sp>
+      <p:sp>
+        <p:nvSpPr>
+          <p:cNvPr id="130" name="OTLSHAPE_SL2A_2e6cd13b9934453f9569c04e5e65a6eb_Header" hidden="1"/>
+          <p:cNvSpPr txBox="1"/>
+          <p:nvPr>
+            <p:custDataLst>
+              <p:tags r:id="rId52"/>
+            </p:custDataLst>
+          </p:nvPr>
+        </p:nvSpPr>
+        <p:spPr>
+          <a:xfrm>
+            <a:off x="12700" y="-271991"/>
+            <a:ext cx="0" cy="169277"/>
+          </a:xfrm>
+          <a:prstGeom prst="rect">
+            <a:avLst/>
+          </a:prstGeom>
+          <a:noFill/>
+        </p:spPr>
+        <p:txBody>
+          <a:bodyPr vert="horz" wrap="square" lIns="0" tIns="0" rIns="0" bIns="0" rtlCol="0" anchor="ctr" anchorCtr="0">
+            <a:spAutoFit/>
+          </a:bodyPr>
+          <a:lstStyle/>
+          <a:p>
+            <a:endParaRPr lang="en-US" sz="1100">
+              <a:solidFill>
+                <a:schemeClr val="dk1"/>
+              </a:solidFill>
+              <a:latin typeface="Calibri" panose="020F0502020204030204" pitchFamily="34" charset="0"/>
+            </a:endParaRPr>
+          </a:p>
+        </p:txBody>
+      </p:sp>
+      <p:sp>
+        <p:nvSpPr>
+          <p:cNvPr id="6" name="OTLSHAPE_TB_00000000000000000000000000000000_TodayMarkerShape"/>
+          <p:cNvSpPr/>
+          <p:nvPr>
+            <p:custDataLst>
+              <p:tags r:id="rId53"/>
+            </p:custDataLst>
+          </p:nvPr>
+        </p:nvSpPr>
+        <p:spPr>
+          <a:xfrm>
+            <a:off x="10313708" y="3429000"/>
+            <a:ext cx="114300" cy="127000"/>
+          </a:xfrm>
+          <a:prstGeom prst="triangle">
+            <a:avLst/>
+          </a:prstGeom>
+          <a:solidFill>
+            <a:srgbClr val="FF0000"/>
+          </a:solidFill>
+          <a:ln w="12700" cap="flat" cmpd="sng" algn="ctr">
+            <a:noFill/>
+            <a:prstDash val="solid"/>
+            <a:miter lim="800000"/>
+          </a:ln>
+          <a:effectLst/>
+          <a:extLst>
+            <a:ext uri="{91240B29-F687-4F45-9708-019B960494DF}">
+              <a14:hiddenLine xmlns:a14="http://schemas.microsoft.com/office/drawing/2010/main" w="12700" cap="flat" cmpd="sng" algn="ctr">
+                <a:solidFill>
+                  <a:schemeClr val="accent1">
+                    <a:shade val="50000"/>
+                  </a:schemeClr>
+                </a:solidFill>
+                <a:prstDash val="solid"/>
+                <a:miter lim="800000"/>
+              </a14:hiddenLine>
+            </a:ext>
+          </a:extLst>
+        </p:spPr>
+        <p:style>
+          <a:lnRef idx="2">
+            <a:schemeClr val="accent1">
+              <a:shade val="50000"/>
+            </a:schemeClr>
+          </a:lnRef>
+          <a:fillRef idx="1">
+            <a:schemeClr val="accent1"/>
+          </a:fillRef>
+          <a:effectRef idx="0">
+            <a:schemeClr val="accent1"/>
+          </a:effectRef>
+          <a:fontRef idx="minor">
+            <a:schemeClr val="lt1"/>
+          </a:fontRef>
+        </p:style>
+        <p:txBody>
+          <a:bodyPr rtlCol="0" anchor="ctr"/>
+          <a:lstStyle/>
+          <a:p>
+            <a:pPr algn="ctr"/>
+            <a:endParaRPr lang="en-US"/>
+          </a:p>
+        </p:txBody>
+      </p:sp>
+      <p:sp>
+        <p:nvSpPr>
+          <p:cNvPr id="7" name="OTLSHAPE_TB_00000000000000000000000000000000_TodayMarkerText"/>
+          <p:cNvSpPr txBox="1"/>
+          <p:nvPr>
+            <p:custDataLst>
+              <p:tags r:id="rId54"/>
+            </p:custDataLst>
+          </p:nvPr>
+        </p:nvSpPr>
+        <p:spPr>
+          <a:xfrm>
+            <a:off x="10188008" y="3556000"/>
+            <a:ext cx="368300" cy="186055"/>
+          </a:xfrm>
+          <a:prstGeom prst="rect">
+            <a:avLst/>
+          </a:prstGeom>
+          <a:noFill/>
+        </p:spPr>
+        <p:txBody>
+          <a:bodyPr vert="horz" wrap="none" lIns="0" tIns="0" rIns="0" bIns="0" rtlCol="0" anchor="ctr" anchorCtr="0">
+            <a:spAutoFit/>
+          </a:bodyPr>
+          <a:lstStyle/>
+          <a:p>
+            <a:pPr algn="ctr"/>
+            <a:r>
+              <a:rPr lang="en-US" sz="1200" spc="-14" smtClean="0">
+                <a:solidFill>
+                  <a:schemeClr val="dk1"/>
+                </a:solidFill>
+                <a:latin typeface="Calibri" panose="020F0502020204030204" pitchFamily="34" charset="0"/>
+              </a:rPr>
+              <a:t>Today</a:t>
+            </a:r>
+            <a:endParaRPr lang="en-US" sz="1200" spc="-14">
+              <a:solidFill>
+                <a:schemeClr val="dk1"/>
+              </a:solidFill>
+              <a:latin typeface="Calibri" panose="020F0502020204030204" pitchFamily="34" charset="0"/>
+            </a:endParaRPr>
+          </a:p>
+        </p:txBody>
+      </p:sp>
+      <p:sp>
+        <p:nvSpPr>
+          <p:cNvPr id="8" name="OTLSHAPE_TB_00000000000000000000000000000000_TimescaleInterval1"/>
+          <p:cNvSpPr txBox="1"/>
+          <p:nvPr>
+            <p:custDataLst>
+              <p:tags r:id="rId55"/>
+            </p:custDataLst>
+          </p:nvPr>
+        </p:nvSpPr>
+        <p:spPr>
+          <a:xfrm>
+            <a:off x="2286000" y="3145473"/>
+            <a:ext cx="341760" cy="186055"/>
+          </a:xfrm>
+          <a:prstGeom prst="rect">
+            <a:avLst/>
+          </a:prstGeom>
+          <a:noFill/>
+        </p:spPr>
+        <p:txBody>
+          <a:bodyPr vert="horz" wrap="none" lIns="0" tIns="0" rIns="0" bIns="0" rtlCol="0" anchor="ctr" anchorCtr="0">
+            <a:noAutofit/>
+          </a:bodyPr>
+          <a:lstStyle/>
+          <a:p>
+            <a:r>
+              <a:rPr lang="en-US" sz="1200" spc="-14" smtClean="0">
+                <a:solidFill>
+                  <a:schemeClr val="lt1"/>
+                </a:solidFill>
+                <a:latin typeface="Calibri" panose="020F0502020204030204" pitchFamily="34" charset="0"/>
+              </a:rPr>
+              <a:t>Day 1</a:t>
+            </a:r>
+            <a:endParaRPr lang="en-US" sz="1200" spc="-14">
+              <a:solidFill>
+                <a:schemeClr val="lt1"/>
+              </a:solidFill>
+              <a:latin typeface="Calibri" panose="020F0502020204030204" pitchFamily="34" charset="0"/>
+            </a:endParaRPr>
+          </a:p>
+        </p:txBody>
+      </p:sp>
+      <p:sp>
+        <p:nvSpPr>
+          <p:cNvPr id="10" name="OTLSHAPE_TB_00000000000000000000000000000000_TimescaleInterval2"/>
+          <p:cNvSpPr txBox="1"/>
+          <p:nvPr>
+            <p:custDataLst>
+              <p:tags r:id="rId56"/>
+            </p:custDataLst>
+          </p:nvPr>
+        </p:nvSpPr>
+        <p:spPr>
+          <a:xfrm>
+            <a:off x="3181995" y="3145473"/>
+            <a:ext cx="75470" cy="186055"/>
+          </a:xfrm>
+          <a:prstGeom prst="rect">
+            <a:avLst/>
+          </a:prstGeom>
+          <a:noFill/>
+        </p:spPr>
+        <p:txBody>
+          <a:bodyPr vert="horz" wrap="none" lIns="0" tIns="0" rIns="0" bIns="0" rtlCol="0" anchor="ctr" anchorCtr="0">
+            <a:noAutofit/>
+          </a:bodyPr>
+          <a:lstStyle/>
+          <a:p>
+            <a:r>
+              <a:rPr lang="en-US" sz="1200" spc="-40" smtClean="0">
+                <a:solidFill>
+                  <a:schemeClr val="lt1"/>
+                </a:solidFill>
+                <a:latin typeface="Calibri" panose="020F0502020204030204" pitchFamily="34" charset="0"/>
+              </a:rPr>
+              <a:t>2</a:t>
+            </a:r>
+            <a:endParaRPr lang="en-US" sz="1200" spc="-40">
+              <a:solidFill>
+                <a:schemeClr val="lt1"/>
+              </a:solidFill>
+              <a:latin typeface="Calibri" panose="020F0502020204030204" pitchFamily="34" charset="0"/>
+            </a:endParaRPr>
+          </a:p>
+        </p:txBody>
+      </p:sp>
+      <p:sp>
+        <p:nvSpPr>
+          <p:cNvPr id="107" name="OTLSHAPE_TB_00000000000000000000000000000000_TimescaleInterval3"/>
+          <p:cNvSpPr txBox="1"/>
+          <p:nvPr>
+            <p:custDataLst>
+              <p:tags r:id="rId57"/>
+            </p:custDataLst>
+          </p:nvPr>
+        </p:nvSpPr>
+        <p:spPr>
+          <a:xfrm>
+            <a:off x="4077989" y="3145473"/>
+            <a:ext cx="75470" cy="186055"/>
+          </a:xfrm>
+          <a:prstGeom prst="rect">
+            <a:avLst/>
+          </a:prstGeom>
+          <a:noFill/>
+        </p:spPr>
+        <p:txBody>
+          <a:bodyPr vert="horz" wrap="none" lIns="0" tIns="0" rIns="0" bIns="0" rtlCol="0" anchor="ctr" anchorCtr="0">
+            <a:noAutofit/>
+          </a:bodyPr>
+          <a:lstStyle/>
+          <a:p>
+            <a:r>
+              <a:rPr lang="en-US" sz="1200" spc="-40" smtClean="0">
+                <a:solidFill>
+                  <a:schemeClr val="lt1"/>
+                </a:solidFill>
+                <a:latin typeface="Calibri" panose="020F0502020204030204" pitchFamily="34" charset="0"/>
+              </a:rPr>
+              <a:t>3</a:t>
+            </a:r>
+            <a:endParaRPr lang="en-US" sz="1200" spc="-40">
+              <a:solidFill>
+                <a:schemeClr val="lt1"/>
+              </a:solidFill>
+              <a:latin typeface="Calibri" panose="020F0502020204030204" pitchFamily="34" charset="0"/>
+            </a:endParaRPr>
+          </a:p>
+        </p:txBody>
+      </p:sp>
+      <p:sp>
+        <p:nvSpPr>
+          <p:cNvPr id="25" name="OTLSHAPE_TB_00000000000000000000000000000000_TimescaleInterval4"/>
+          <p:cNvSpPr txBox="1"/>
+          <p:nvPr>
+            <p:custDataLst>
+              <p:tags r:id="rId58"/>
+            </p:custDataLst>
+          </p:nvPr>
+        </p:nvSpPr>
+        <p:spPr>
+          <a:xfrm>
+            <a:off x="4973984" y="3145473"/>
+            <a:ext cx="75470" cy="186055"/>
+          </a:xfrm>
+          <a:prstGeom prst="rect">
+            <a:avLst/>
+          </a:prstGeom>
+          <a:noFill/>
+        </p:spPr>
+        <p:txBody>
+          <a:bodyPr vert="horz" wrap="none" lIns="0" tIns="0" rIns="0" bIns="0" rtlCol="0" anchor="ctr" anchorCtr="0">
+            <a:noAutofit/>
+          </a:bodyPr>
+          <a:lstStyle/>
+          <a:p>
+            <a:r>
+              <a:rPr lang="en-US" sz="1200" spc="-40" smtClean="0">
+                <a:solidFill>
+                  <a:schemeClr val="lt1"/>
+                </a:solidFill>
+                <a:latin typeface="Calibri" panose="020F0502020204030204" pitchFamily="34" charset="0"/>
+              </a:rPr>
+              <a:t>4</a:t>
+            </a:r>
+            <a:endParaRPr lang="en-US" sz="1200" spc="-40">
+              <a:solidFill>
+                <a:schemeClr val="lt1"/>
+              </a:solidFill>
+              <a:latin typeface="Calibri" panose="020F0502020204030204" pitchFamily="34" charset="0"/>
+            </a:endParaRPr>
+          </a:p>
+        </p:txBody>
+      </p:sp>
+      <p:sp>
+        <p:nvSpPr>
+          <p:cNvPr id="74" name="OTLSHAPE_TB_00000000000000000000000000000000_TimescaleInterval5"/>
+          <p:cNvSpPr txBox="1"/>
+          <p:nvPr>
+            <p:custDataLst>
+              <p:tags r:id="rId59"/>
+            </p:custDataLst>
+          </p:nvPr>
+        </p:nvSpPr>
+        <p:spPr>
+          <a:xfrm>
+            <a:off x="5869978" y="3145473"/>
+            <a:ext cx="75470" cy="186055"/>
+          </a:xfrm>
+          <a:prstGeom prst="rect">
+            <a:avLst/>
+          </a:prstGeom>
+          <a:noFill/>
+        </p:spPr>
+        <p:txBody>
+          <a:bodyPr vert="horz" wrap="none" lIns="0" tIns="0" rIns="0" bIns="0" rtlCol="0" anchor="ctr" anchorCtr="0">
+            <a:noAutofit/>
+          </a:bodyPr>
+          <a:lstStyle/>
+          <a:p>
+            <a:r>
+              <a:rPr lang="en-US" sz="1200" spc="-40" smtClean="0">
+                <a:solidFill>
+                  <a:schemeClr val="lt1"/>
+                </a:solidFill>
+                <a:latin typeface="Calibri" panose="020F0502020204030204" pitchFamily="34" charset="0"/>
+              </a:rPr>
+              <a:t>5</a:t>
+            </a:r>
+            <a:endParaRPr lang="en-US" sz="1200" spc="-40">
+              <a:solidFill>
+                <a:schemeClr val="lt1"/>
+              </a:solidFill>
+              <a:latin typeface="Calibri" panose="020F0502020204030204" pitchFamily="34" charset="0"/>
+            </a:endParaRPr>
+          </a:p>
+        </p:txBody>
+      </p:sp>
+      <p:sp>
+        <p:nvSpPr>
+          <p:cNvPr id="91" name="OTLSHAPE_TB_00000000000000000000000000000000_TimescaleInterval6"/>
+          <p:cNvSpPr txBox="1"/>
+          <p:nvPr>
+            <p:custDataLst>
+              <p:tags r:id="rId60"/>
+            </p:custDataLst>
+          </p:nvPr>
+        </p:nvSpPr>
+        <p:spPr>
+          <a:xfrm>
+            <a:off x="6765972" y="3145473"/>
+            <a:ext cx="75470" cy="186055"/>
+          </a:xfrm>
+          <a:prstGeom prst="rect">
+            <a:avLst/>
+          </a:prstGeom>
+          <a:noFill/>
+        </p:spPr>
+        <p:txBody>
+          <a:bodyPr vert="horz" wrap="none" lIns="0" tIns="0" rIns="0" bIns="0" rtlCol="0" anchor="ctr" anchorCtr="0">
+            <a:noAutofit/>
+          </a:bodyPr>
+          <a:lstStyle/>
+          <a:p>
+            <a:r>
+              <a:rPr lang="en-US" sz="1200" spc="-40" smtClean="0">
+                <a:solidFill>
+                  <a:schemeClr val="lt1"/>
+                </a:solidFill>
+                <a:latin typeface="Calibri" panose="020F0502020204030204" pitchFamily="34" charset="0"/>
+              </a:rPr>
+              <a:t>6</a:t>
+            </a:r>
+            <a:endParaRPr lang="en-US" sz="1200" spc="-40">
+              <a:solidFill>
+                <a:schemeClr val="lt1"/>
+              </a:solidFill>
+              <a:latin typeface="Calibri" panose="020F0502020204030204" pitchFamily="34" charset="0"/>
+            </a:endParaRPr>
+          </a:p>
+        </p:txBody>
+      </p:sp>
+      <p:sp>
+        <p:nvSpPr>
+          <p:cNvPr id="93" name="OTLSHAPE_TB_00000000000000000000000000000000_TimescaleInterval7"/>
+          <p:cNvSpPr txBox="1"/>
+          <p:nvPr>
+            <p:custDataLst>
+              <p:tags r:id="rId61"/>
+            </p:custDataLst>
+          </p:nvPr>
+        </p:nvSpPr>
+        <p:spPr>
+          <a:xfrm>
+            <a:off x="7661967" y="3145473"/>
+            <a:ext cx="75470" cy="186055"/>
+          </a:xfrm>
+          <a:prstGeom prst="rect">
+            <a:avLst/>
+          </a:prstGeom>
+          <a:noFill/>
+        </p:spPr>
+        <p:txBody>
+          <a:bodyPr vert="horz" wrap="none" lIns="0" tIns="0" rIns="0" bIns="0" rtlCol="0" anchor="ctr" anchorCtr="0">
+            <a:noAutofit/>
+          </a:bodyPr>
+          <a:lstStyle/>
+          <a:p>
+            <a:r>
+              <a:rPr lang="en-US" sz="1200" spc="-40" smtClean="0">
+                <a:solidFill>
+                  <a:schemeClr val="lt1"/>
+                </a:solidFill>
+                <a:latin typeface="Calibri" panose="020F0502020204030204" pitchFamily="34" charset="0"/>
+              </a:rPr>
+              <a:t>7</a:t>
+            </a:r>
+            <a:endParaRPr lang="en-US" sz="1200" spc="-40">
+              <a:solidFill>
+                <a:schemeClr val="lt1"/>
+              </a:solidFill>
+              <a:latin typeface="Calibri" panose="020F0502020204030204" pitchFamily="34" charset="0"/>
+            </a:endParaRPr>
+          </a:p>
+        </p:txBody>
+      </p:sp>
+      <p:sp>
+        <p:nvSpPr>
+          <p:cNvPr id="95" name="OTLSHAPE_TB_00000000000000000000000000000000_TimescaleInterval8"/>
+          <p:cNvSpPr txBox="1"/>
+          <p:nvPr>
+            <p:custDataLst>
+              <p:tags r:id="rId62"/>
+            </p:custDataLst>
+          </p:nvPr>
+        </p:nvSpPr>
+        <p:spPr>
+          <a:xfrm>
+            <a:off x="8557961" y="3145473"/>
+            <a:ext cx="75470" cy="186055"/>
+          </a:xfrm>
+          <a:prstGeom prst="rect">
+            <a:avLst/>
+          </a:prstGeom>
+          <a:noFill/>
+        </p:spPr>
+        <p:txBody>
+          <a:bodyPr vert="horz" wrap="none" lIns="0" tIns="0" rIns="0" bIns="0" rtlCol="0" anchor="ctr" anchorCtr="0">
+            <a:noAutofit/>
+          </a:bodyPr>
+          <a:lstStyle/>
+          <a:p>
+            <a:r>
+              <a:rPr lang="en-US" sz="1200" spc="-40" smtClean="0">
+                <a:solidFill>
+                  <a:schemeClr val="lt1"/>
+                </a:solidFill>
+                <a:latin typeface="Calibri" panose="020F0502020204030204" pitchFamily="34" charset="0"/>
+              </a:rPr>
+              <a:t>8</a:t>
+            </a:r>
+            <a:endParaRPr lang="en-US" sz="1200" spc="-40">
+              <a:solidFill>
+                <a:schemeClr val="lt1"/>
+              </a:solidFill>
+              <a:latin typeface="Calibri" panose="020F0502020204030204" pitchFamily="34" charset="0"/>
+            </a:endParaRPr>
+          </a:p>
+        </p:txBody>
+      </p:sp>
+      <p:sp>
+        <p:nvSpPr>
+          <p:cNvPr id="97" name="OTLSHAPE_TB_00000000000000000000000000000000_TimescaleInterval9"/>
+          <p:cNvSpPr txBox="1"/>
+          <p:nvPr>
+            <p:custDataLst>
+              <p:tags r:id="rId63"/>
+            </p:custDataLst>
+          </p:nvPr>
+        </p:nvSpPr>
+        <p:spPr>
+          <a:xfrm>
+            <a:off x="9453956" y="3145473"/>
+            <a:ext cx="75470" cy="186055"/>
+          </a:xfrm>
+          <a:prstGeom prst="rect">
+            <a:avLst/>
+          </a:prstGeom>
+          <a:noFill/>
+        </p:spPr>
+        <p:txBody>
+          <a:bodyPr vert="horz" wrap="none" lIns="0" tIns="0" rIns="0" bIns="0" rtlCol="0" anchor="ctr" anchorCtr="0">
+            <a:noAutofit/>
+          </a:bodyPr>
+          <a:lstStyle/>
+          <a:p>
+            <a:r>
+              <a:rPr lang="en-US" sz="1200" spc="-40" smtClean="0">
+                <a:solidFill>
+                  <a:schemeClr val="lt1"/>
+                </a:solidFill>
+                <a:latin typeface="Calibri" panose="020F0502020204030204" pitchFamily="34" charset="0"/>
+              </a:rPr>
+              <a:t>9</a:t>
+            </a:r>
+            <a:endParaRPr lang="en-US" sz="1200" spc="-40">
+              <a:solidFill>
+                <a:schemeClr val="lt1"/>
+              </a:solidFill>
+              <a:latin typeface="Calibri" panose="020F0502020204030204" pitchFamily="34" charset="0"/>
+            </a:endParaRPr>
+          </a:p>
+        </p:txBody>
+      </p:sp>
+      <p:sp>
+        <p:nvSpPr>
+          <p:cNvPr id="99" name="OTLSHAPE_TB_00000000000000000000000000000000_TimescaleInterval10"/>
+          <p:cNvSpPr txBox="1"/>
+          <p:nvPr>
+            <p:custDataLst>
+              <p:tags r:id="rId64"/>
+            </p:custDataLst>
+          </p:nvPr>
+        </p:nvSpPr>
+        <p:spPr>
+          <a:xfrm>
+            <a:off x="10349950" y="3145473"/>
+            <a:ext cx="150939" cy="186055"/>
+          </a:xfrm>
+          <a:prstGeom prst="rect">
+            <a:avLst/>
+          </a:prstGeom>
+          <a:noFill/>
+        </p:spPr>
+        <p:txBody>
+          <a:bodyPr vert="horz" wrap="none" lIns="0" tIns="0" rIns="0" bIns="0" rtlCol="0" anchor="ctr" anchorCtr="0">
+            <a:noAutofit/>
+          </a:bodyPr>
+          <a:lstStyle/>
+          <a:p>
+            <a:r>
+              <a:rPr lang="en-US" sz="1200" spc="-28" smtClean="0">
+                <a:solidFill>
+                  <a:schemeClr val="lt1"/>
+                </a:solidFill>
+                <a:latin typeface="Calibri" panose="020F0502020204030204" pitchFamily="34" charset="0"/>
+              </a:rPr>
+              <a:t>10</a:t>
+            </a:r>
+            <a:endParaRPr lang="en-US" sz="1200" spc="-28">
+              <a:solidFill>
+                <a:schemeClr val="lt1"/>
+              </a:solidFill>
+              <a:latin typeface="Calibri" panose="020F0502020204030204" pitchFamily="34" charset="0"/>
+            </a:endParaRPr>
+          </a:p>
+        </p:txBody>
+      </p:sp>
+      <p:sp>
+        <p:nvSpPr>
+          <p:cNvPr id="111" name="OTLSHAPE_SLT_0194b4ac80d3465a82f67618660639e7_Duration" hidden="1"/>
+          <p:cNvSpPr txBox="1"/>
+          <p:nvPr>
+            <p:custDataLst>
+              <p:tags r:id="rId65"/>
+            </p:custDataLst>
+          </p:nvPr>
+        </p:nvSpPr>
+        <p:spPr>
+          <a:xfrm>
+            <a:off x="12700" y="-233521"/>
+            <a:ext cx="330200" cy="165100"/>
+          </a:xfrm>
+          <a:prstGeom prst="rect">
+            <a:avLst/>
+          </a:prstGeom>
+          <a:noFill/>
+        </p:spPr>
+        <p:txBody>
+          <a:bodyPr vert="horz" wrap="square" lIns="0" tIns="0" rIns="0" bIns="0" rtlCol="0" anchor="ctr" anchorCtr="0">
+            <a:spAutoFit/>
+          </a:bodyPr>
+          <a:lstStyle/>
+          <a:p>
+            <a:r>
+              <a:rPr lang="en-US" sz="1000" smtClean="0">
+                <a:solidFill>
+                  <a:schemeClr val="accent2"/>
+                </a:solidFill>
+                <a:latin typeface="Calibri" panose="020F0502020204030204" pitchFamily="34" charset="0"/>
+              </a:rPr>
+              <a:t>5 days</a:t>
+            </a:r>
+            <a:endParaRPr lang="en-US" sz="1000">
+              <a:solidFill>
+                <a:schemeClr val="accent2"/>
+              </a:solidFill>
+              <a:latin typeface="Calibri" panose="020F0502020204030204" pitchFamily="34" charset="0"/>
+            </a:endParaRPr>
+          </a:p>
+        </p:txBody>
+      </p:sp>
+      <p:sp>
+        <p:nvSpPr>
+          <p:cNvPr id="112" name="OTLSHAPE_SLT_0194b4ac80d3465a82f67618660639e7_TextPercentage" hidden="1"/>
+          <p:cNvSpPr txBox="1"/>
+          <p:nvPr>
+            <p:custDataLst>
+              <p:tags r:id="rId66"/>
+            </p:custDataLst>
+          </p:nvPr>
+        </p:nvSpPr>
+        <p:spPr>
+          <a:xfrm>
+            <a:off x="12700" y="74255"/>
+            <a:ext cx="0" cy="0"/>
+          </a:xfrm>
+          <a:prstGeom prst="rect">
+            <a:avLst/>
+          </a:prstGeom>
+          <a:noFill/>
+        </p:spPr>
+        <p:txBody>
+          <a:bodyPr vert="horz" wrap="square" lIns="0" tIns="0" rIns="0" bIns="0" rtlCol="0" anchor="ctr" anchorCtr="0">
+            <a:spAutoFit/>
+          </a:bodyPr>
+          <a:lstStyle/>
+          <a:p>
+            <a:endParaRPr lang="en-US" sz="1000">
+              <a:solidFill>
+                <a:schemeClr val="accent2"/>
+              </a:solidFill>
+              <a:latin typeface="Calibri" panose="020F0502020204030204" pitchFamily="34" charset="0"/>
+            </a:endParaRPr>
+          </a:p>
+        </p:txBody>
+      </p:sp>
+      <p:sp>
+        <p:nvSpPr>
+          <p:cNvPr id="113" name="OTLSHAPE_SLT_0194b4ac80d3465a82f67618660639e7_JoinedDate" hidden="1"/>
+          <p:cNvSpPr txBox="1"/>
+          <p:nvPr>
+            <p:custDataLst>
+              <p:tags r:id="rId67"/>
+            </p:custDataLst>
+          </p:nvPr>
+        </p:nvSpPr>
+        <p:spPr>
+          <a:xfrm>
+            <a:off x="12700" y="74255"/>
+            <a:ext cx="0" cy="0"/>
+          </a:xfrm>
+          <a:prstGeom prst="rect">
+            <a:avLst/>
+          </a:prstGeom>
+          <a:noFill/>
+        </p:spPr>
+        <p:txBody>
+          <a:bodyPr vert="horz" wrap="square" lIns="0" tIns="0" rIns="0" bIns="0" rtlCol="0" anchor="ctr" anchorCtr="0">
+            <a:spAutoFit/>
+          </a:bodyPr>
+          <a:lstStyle/>
+          <a:p>
+            <a:pPr algn="ctr"/>
+            <a:endParaRPr lang="en-US" sz="1000">
+              <a:solidFill>
+                <a:schemeClr val="dk2"/>
+              </a:solidFill>
+              <a:latin typeface="Calibri" panose="020F0502020204030204" pitchFamily="34" charset="0"/>
+            </a:endParaRPr>
+          </a:p>
+        </p:txBody>
+      </p:sp>
+      <p:sp>
+        <p:nvSpPr>
+          <p:cNvPr id="118" name="OTLSHAPE_SLT_0194b4ac80d3465a82f67618660639e7_StartDate"/>
+          <p:cNvSpPr txBox="1"/>
+          <p:nvPr>
+            <p:custDataLst>
+              <p:tags r:id="rId68"/>
+            </p:custDataLst>
+          </p:nvPr>
+        </p:nvSpPr>
+        <p:spPr>
+          <a:xfrm>
+            <a:off x="3646062" y="4007443"/>
+            <a:ext cx="330200" cy="155025"/>
+          </a:xfrm>
+          <a:prstGeom prst="rect">
+            <a:avLst/>
+          </a:prstGeom>
+          <a:noFill/>
+        </p:spPr>
+        <p:txBody>
+          <a:bodyPr vert="horz" wrap="square" lIns="0" tIns="0" rIns="0" bIns="0" rtlCol="0" anchor="ctr" anchorCtr="0">
+            <a:spAutoFit/>
+          </a:bodyPr>
+          <a:lstStyle/>
+          <a:p>
+            <a:pPr algn="ctr"/>
+            <a:r>
+              <a:rPr lang="en-US" sz="1000" spc="-8" smtClean="0">
+                <a:solidFill>
+                  <a:schemeClr val="dk2"/>
+                </a:solidFill>
+                <a:latin typeface="Calibri" panose="020F0502020204030204" pitchFamily="34" charset="0"/>
+              </a:rPr>
+              <a:t>May 7</a:t>
+            </a:r>
+            <a:endParaRPr lang="en-US" sz="1000" spc="-8">
+              <a:solidFill>
+                <a:schemeClr val="dk2"/>
+              </a:solidFill>
+              <a:latin typeface="Calibri" panose="020F0502020204030204" pitchFamily="34" charset="0"/>
+            </a:endParaRPr>
+          </a:p>
+        </p:txBody>
+      </p:sp>
+      <p:sp>
+        <p:nvSpPr>
+          <p:cNvPr id="119" name="OTLSHAPE_SLT_0194b4ac80d3465a82f67618660639e7_EndDate"/>
+          <p:cNvSpPr txBox="1"/>
+          <p:nvPr>
+            <p:custDataLst>
+              <p:tags r:id="rId69"/>
+            </p:custDataLst>
+          </p:nvPr>
+        </p:nvSpPr>
+        <p:spPr>
+          <a:xfrm>
+            <a:off x="11232623" y="4007443"/>
+            <a:ext cx="393700" cy="155025"/>
+          </a:xfrm>
+          <a:prstGeom prst="rect">
+            <a:avLst/>
+          </a:prstGeom>
+          <a:noFill/>
+        </p:spPr>
+        <p:txBody>
+          <a:bodyPr vert="horz" wrap="square" lIns="0" tIns="0" rIns="0" bIns="0" rtlCol="0" anchor="ctr" anchorCtr="0">
+            <a:spAutoFit/>
+          </a:bodyPr>
+          <a:lstStyle/>
+          <a:p>
+            <a:pPr algn="ctr"/>
+            <a:r>
+              <a:rPr lang="en-US" sz="1000" spc="-8" smtClean="0">
+                <a:solidFill>
+                  <a:schemeClr val="dk2"/>
+                </a:solidFill>
+                <a:latin typeface="Calibri" panose="020F0502020204030204" pitchFamily="34" charset="0"/>
+              </a:rPr>
+              <a:t>May 14</a:t>
+            </a:r>
+            <a:endParaRPr lang="en-US" sz="1000" spc="-8">
+              <a:solidFill>
+                <a:schemeClr val="dk2"/>
+              </a:solidFill>
+              <a:latin typeface="Calibri" panose="020F0502020204030204" pitchFamily="34" charset="0"/>
+            </a:endParaRPr>
+          </a:p>
+        </p:txBody>
+      </p:sp>
+      <p:sp>
+        <p:nvSpPr>
+          <p:cNvPr id="120" name="OTLSHAPE_SLT_0194b4ac80d3465a82f67618660639e7_Title"/>
+          <p:cNvSpPr txBox="1"/>
+          <p:nvPr>
+            <p:custDataLst>
+              <p:tags r:id="rId70"/>
+            </p:custDataLst>
+          </p:nvPr>
+        </p:nvSpPr>
+        <p:spPr>
+          <a:xfrm>
+            <a:off x="7096464" y="3999696"/>
+            <a:ext cx="1016000" cy="170519"/>
+          </a:xfrm>
+          <a:prstGeom prst="rect">
+            <a:avLst/>
+          </a:prstGeom>
+          <a:noFill/>
+        </p:spPr>
+        <p:txBody>
+          <a:bodyPr vert="horz" wrap="square" lIns="0" tIns="0" rIns="0" bIns="0" rtlCol="0" anchor="ctr" anchorCtr="0">
+            <a:spAutoFit/>
+          </a:bodyPr>
+          <a:lstStyle/>
+          <a:p>
+            <a:pPr algn="ctr"/>
+            <a:r>
+              <a:rPr lang="en-US" sz="1100" b="1" spc="-10" smtClean="0">
+                <a:solidFill>
+                  <a:schemeClr val="dk1"/>
+                </a:solidFill>
+                <a:latin typeface="Calibri" panose="020F0502020204030204" pitchFamily="34" charset="0"/>
+              </a:rPr>
+              <a:t>Registration Page</a:t>
+            </a:r>
+            <a:endParaRPr lang="en-US" sz="1100" b="1" spc="-10">
+              <a:solidFill>
+                <a:schemeClr val="dk1"/>
+              </a:solidFill>
+              <a:latin typeface="Calibri" panose="020F0502020204030204" pitchFamily="34" charset="0"/>
+            </a:endParaRPr>
+          </a:p>
+        </p:txBody>
+      </p:sp>
+      <p:sp>
+        <p:nvSpPr>
+          <p:cNvPr id="160" name="OTLSHAPE_SLT_c2594a68508746189d15fef160fb738d_Duration" hidden="1"/>
+          <p:cNvSpPr txBox="1"/>
+          <p:nvPr>
+            <p:custDataLst>
+              <p:tags r:id="rId71"/>
+            </p:custDataLst>
+          </p:nvPr>
+        </p:nvSpPr>
+        <p:spPr>
+          <a:xfrm>
+            <a:off x="12700" y="-233521"/>
+            <a:ext cx="330200" cy="165100"/>
+          </a:xfrm>
+          <a:prstGeom prst="rect">
+            <a:avLst/>
+          </a:prstGeom>
+          <a:noFill/>
+        </p:spPr>
+        <p:txBody>
+          <a:bodyPr vert="horz" wrap="square" lIns="0" tIns="0" rIns="0" bIns="0" rtlCol="0" anchor="ctr" anchorCtr="0">
+            <a:spAutoFit/>
+          </a:bodyPr>
+          <a:lstStyle/>
+          <a:p>
+            <a:r>
+              <a:rPr lang="en-US" sz="1000" smtClean="0">
+                <a:solidFill>
+                  <a:schemeClr val="accent2"/>
+                </a:solidFill>
+                <a:latin typeface="Calibri" panose="020F0502020204030204" pitchFamily="34" charset="0"/>
+              </a:rPr>
+              <a:t>4 days</a:t>
+            </a:r>
+            <a:endParaRPr lang="en-US" sz="1000">
+              <a:solidFill>
+                <a:schemeClr val="accent2"/>
+              </a:solidFill>
+              <a:latin typeface="Calibri" panose="020F0502020204030204" pitchFamily="34" charset="0"/>
+            </a:endParaRPr>
+          </a:p>
+        </p:txBody>
+      </p:sp>
+      <p:sp>
+        <p:nvSpPr>
+          <p:cNvPr id="161" name="OTLSHAPE_SLT_c2594a68508746189d15fef160fb738d_TextPercentage" hidden="1"/>
+          <p:cNvSpPr txBox="1"/>
+          <p:nvPr>
+            <p:custDataLst>
+              <p:tags r:id="rId72"/>
+            </p:custDataLst>
+          </p:nvPr>
+        </p:nvSpPr>
+        <p:spPr>
+          <a:xfrm>
+            <a:off x="12700" y="74255"/>
+            <a:ext cx="0" cy="0"/>
+          </a:xfrm>
+          <a:prstGeom prst="rect">
+            <a:avLst/>
+          </a:prstGeom>
+          <a:noFill/>
+        </p:spPr>
+        <p:txBody>
+          <a:bodyPr vert="horz" wrap="square" lIns="0" tIns="0" rIns="0" bIns="0" rtlCol="0" anchor="ctr" anchorCtr="0">
+            <a:spAutoFit/>
+          </a:bodyPr>
+          <a:lstStyle/>
+          <a:p>
+            <a:endParaRPr lang="en-US" sz="1000">
+              <a:solidFill>
+                <a:schemeClr val="accent2"/>
+              </a:solidFill>
+              <a:latin typeface="Calibri" panose="020F0502020204030204" pitchFamily="34" charset="0"/>
+            </a:endParaRPr>
+          </a:p>
+        </p:txBody>
+      </p:sp>
+      <p:sp>
+        <p:nvSpPr>
+          <p:cNvPr id="162" name="OTLSHAPE_SLT_c2594a68508746189d15fef160fb738d_JoinedDate" hidden="1"/>
+          <p:cNvSpPr txBox="1"/>
+          <p:nvPr>
+            <p:custDataLst>
+              <p:tags r:id="rId73"/>
+            </p:custDataLst>
+          </p:nvPr>
+        </p:nvSpPr>
+        <p:spPr>
+          <a:xfrm>
+            <a:off x="12700" y="74255"/>
+            <a:ext cx="0" cy="0"/>
+          </a:xfrm>
+          <a:prstGeom prst="rect">
+            <a:avLst/>
+          </a:prstGeom>
+          <a:noFill/>
+        </p:spPr>
+        <p:txBody>
+          <a:bodyPr vert="horz" wrap="square" lIns="0" tIns="0" rIns="0" bIns="0" rtlCol="0" anchor="ctr" anchorCtr="0">
+            <a:spAutoFit/>
+          </a:bodyPr>
+          <a:lstStyle/>
+          <a:p>
+            <a:pPr algn="ctr"/>
+            <a:endParaRPr lang="en-US" sz="1000">
+              <a:solidFill>
+                <a:schemeClr val="dk2"/>
+              </a:solidFill>
+              <a:latin typeface="Calibri" panose="020F0502020204030204" pitchFamily="34" charset="0"/>
+            </a:endParaRPr>
+          </a:p>
+        </p:txBody>
+      </p:sp>
+      <p:sp>
+        <p:nvSpPr>
+          <p:cNvPr id="163" name="OTLSHAPE_SLT_c2594a68508746189d15fef160fb738d_StartDate"/>
+          <p:cNvSpPr txBox="1"/>
+          <p:nvPr>
+            <p:custDataLst>
+              <p:tags r:id="rId74"/>
+            </p:custDataLst>
+          </p:nvPr>
+        </p:nvSpPr>
+        <p:spPr>
+          <a:xfrm>
+            <a:off x="6269656" y="4274143"/>
+            <a:ext cx="393700" cy="155025"/>
+          </a:xfrm>
+          <a:prstGeom prst="rect">
+            <a:avLst/>
+          </a:prstGeom>
+          <a:noFill/>
+        </p:spPr>
+        <p:txBody>
+          <a:bodyPr vert="horz" wrap="square" lIns="0" tIns="0" rIns="0" bIns="0" rtlCol="0" anchor="ctr" anchorCtr="0">
+            <a:spAutoFit/>
+          </a:bodyPr>
+          <a:lstStyle/>
+          <a:p>
+            <a:pPr algn="ctr"/>
+            <a:r>
+              <a:rPr lang="en-US" sz="1000" spc="-8" smtClean="0">
+                <a:solidFill>
+                  <a:schemeClr val="dk2"/>
+                </a:solidFill>
+                <a:latin typeface="Calibri" panose="020F0502020204030204" pitchFamily="34" charset="0"/>
+              </a:rPr>
+              <a:t>May 10</a:t>
+            </a:r>
+            <a:endParaRPr lang="en-US" sz="1000" spc="-8">
+              <a:solidFill>
+                <a:schemeClr val="dk2"/>
+              </a:solidFill>
+              <a:latin typeface="Calibri" panose="020F0502020204030204" pitchFamily="34" charset="0"/>
+            </a:endParaRPr>
+          </a:p>
+        </p:txBody>
+      </p:sp>
+      <p:sp>
+        <p:nvSpPr>
+          <p:cNvPr id="164" name="OTLSHAPE_SLT_c2594a68508746189d15fef160fb738d_EndDate"/>
+          <p:cNvSpPr txBox="1"/>
+          <p:nvPr>
+            <p:custDataLst>
+              <p:tags r:id="rId75"/>
+            </p:custDataLst>
+          </p:nvPr>
+        </p:nvSpPr>
+        <p:spPr>
+          <a:xfrm>
+            <a:off x="11232623" y="4274143"/>
+            <a:ext cx="393700" cy="155025"/>
+          </a:xfrm>
+          <a:prstGeom prst="rect">
+            <a:avLst/>
+          </a:prstGeom>
+          <a:noFill/>
+        </p:spPr>
+        <p:txBody>
+          <a:bodyPr vert="horz" wrap="square" lIns="0" tIns="0" rIns="0" bIns="0" rtlCol="0" anchor="ctr" anchorCtr="0">
+            <a:spAutoFit/>
+          </a:bodyPr>
+          <a:lstStyle/>
+          <a:p>
+            <a:pPr algn="ctr"/>
+            <a:r>
+              <a:rPr lang="en-US" sz="1000" spc="-8" smtClean="0">
+                <a:solidFill>
+                  <a:schemeClr val="dk2"/>
+                </a:solidFill>
+                <a:latin typeface="Calibri" panose="020F0502020204030204" pitchFamily="34" charset="0"/>
+              </a:rPr>
+              <a:t>May 14</a:t>
+            </a:r>
+            <a:endParaRPr lang="en-US" sz="1000" spc="-8">
+              <a:solidFill>
+                <a:schemeClr val="dk2"/>
+              </a:solidFill>
+              <a:latin typeface="Calibri" panose="020F0502020204030204" pitchFamily="34" charset="0"/>
+            </a:endParaRPr>
+          </a:p>
+        </p:txBody>
+      </p:sp>
+      <p:sp>
+        <p:nvSpPr>
+          <p:cNvPr id="165" name="OTLSHAPE_SLT_c2594a68508746189d15fef160fb738d_Title"/>
+          <p:cNvSpPr txBox="1"/>
+          <p:nvPr>
+            <p:custDataLst>
+              <p:tags r:id="rId76"/>
+            </p:custDataLst>
+          </p:nvPr>
+        </p:nvSpPr>
+        <p:spPr>
+          <a:xfrm>
+            <a:off x="8633707" y="4266396"/>
+            <a:ext cx="622300" cy="170519"/>
+          </a:xfrm>
+          <a:prstGeom prst="rect">
+            <a:avLst/>
+          </a:prstGeom>
+          <a:noFill/>
+        </p:spPr>
+        <p:txBody>
+          <a:bodyPr vert="horz" wrap="square" lIns="0" tIns="0" rIns="0" bIns="0" rtlCol="0" anchor="ctr" anchorCtr="0">
+            <a:spAutoFit/>
+          </a:bodyPr>
+          <a:lstStyle/>
+          <a:p>
+            <a:pPr algn="ctr"/>
+            <a:r>
+              <a:rPr lang="en-US" sz="1100" b="1" spc="-8" smtClean="0">
+                <a:solidFill>
+                  <a:schemeClr val="dk1"/>
+                </a:solidFill>
+                <a:latin typeface="Calibri" panose="020F0502020204030204" pitchFamily="34" charset="0"/>
+              </a:rPr>
+              <a:t>Login Page</a:t>
+            </a:r>
+            <a:endParaRPr lang="en-US" sz="1100" b="1" spc="-8">
+              <a:solidFill>
+                <a:schemeClr val="dk1"/>
+              </a:solidFill>
+              <a:latin typeface="Calibri" panose="020F0502020204030204" pitchFamily="34" charset="0"/>
+            </a:endParaRPr>
+          </a:p>
+        </p:txBody>
+      </p:sp>
+      <p:sp>
+        <p:nvSpPr>
+          <p:cNvPr id="168" name="OTLSHAPE_SLT_e14081218d4a44a8abce49e6f1a73747_Duration" hidden="1"/>
+          <p:cNvSpPr txBox="1"/>
+          <p:nvPr>
+            <p:custDataLst>
+              <p:tags r:id="rId77"/>
+            </p:custDataLst>
+          </p:nvPr>
+        </p:nvSpPr>
+        <p:spPr>
+          <a:xfrm>
+            <a:off x="12700" y="-233521"/>
+            <a:ext cx="330200" cy="165100"/>
+          </a:xfrm>
+          <a:prstGeom prst="rect">
+            <a:avLst/>
+          </a:prstGeom>
+          <a:noFill/>
+        </p:spPr>
+        <p:txBody>
+          <a:bodyPr vert="horz" wrap="square" lIns="0" tIns="0" rIns="0" bIns="0" rtlCol="0" anchor="ctr" anchorCtr="0">
+            <a:spAutoFit/>
+          </a:bodyPr>
+          <a:lstStyle/>
+          <a:p>
+            <a:r>
+              <a:rPr lang="en-US" sz="1000" smtClean="0">
+                <a:solidFill>
+                  <a:schemeClr val="accent2"/>
+                </a:solidFill>
+                <a:latin typeface="Calibri" panose="020F0502020204030204" pitchFamily="34" charset="0"/>
+              </a:rPr>
+              <a:t>2 days</a:t>
+            </a:r>
+            <a:endParaRPr lang="en-US" sz="1000">
+              <a:solidFill>
+                <a:schemeClr val="accent2"/>
+              </a:solidFill>
+              <a:latin typeface="Calibri" panose="020F0502020204030204" pitchFamily="34" charset="0"/>
+            </a:endParaRPr>
+          </a:p>
+        </p:txBody>
+      </p:sp>
+      <p:sp>
+        <p:nvSpPr>
+          <p:cNvPr id="169" name="OTLSHAPE_SLT_e14081218d4a44a8abce49e6f1a73747_TextPercentage" hidden="1"/>
+          <p:cNvSpPr txBox="1"/>
+          <p:nvPr>
+            <p:custDataLst>
+              <p:tags r:id="rId78"/>
+            </p:custDataLst>
+          </p:nvPr>
+        </p:nvSpPr>
+        <p:spPr>
+          <a:xfrm>
+            <a:off x="12700" y="74255"/>
+            <a:ext cx="0" cy="0"/>
+          </a:xfrm>
+          <a:prstGeom prst="rect">
+            <a:avLst/>
+          </a:prstGeom>
+          <a:noFill/>
+        </p:spPr>
+        <p:txBody>
+          <a:bodyPr vert="horz" wrap="square" lIns="0" tIns="0" rIns="0" bIns="0" rtlCol="0" anchor="ctr" anchorCtr="0">
+            <a:spAutoFit/>
+          </a:bodyPr>
+          <a:lstStyle/>
+          <a:p>
+            <a:endParaRPr lang="en-US" sz="1000">
+              <a:solidFill>
+                <a:schemeClr val="accent2"/>
+              </a:solidFill>
+              <a:latin typeface="Calibri" panose="020F0502020204030204" pitchFamily="34" charset="0"/>
+            </a:endParaRPr>
+          </a:p>
+        </p:txBody>
+      </p:sp>
+      <p:sp>
+        <p:nvSpPr>
+          <p:cNvPr id="170" name="OTLSHAPE_SLT_e14081218d4a44a8abce49e6f1a73747_JoinedDate" hidden="1"/>
+          <p:cNvSpPr txBox="1"/>
+          <p:nvPr>
+            <p:custDataLst>
+              <p:tags r:id="rId79"/>
+            </p:custDataLst>
+          </p:nvPr>
+        </p:nvSpPr>
+        <p:spPr>
+          <a:xfrm>
+            <a:off x="12700" y="74255"/>
+            <a:ext cx="0" cy="0"/>
+          </a:xfrm>
+          <a:prstGeom prst="rect">
+            <a:avLst/>
+          </a:prstGeom>
+          <a:noFill/>
+        </p:spPr>
+        <p:txBody>
+          <a:bodyPr vert="horz" wrap="square" lIns="0" tIns="0" rIns="0" bIns="0" rtlCol="0" anchor="ctr" anchorCtr="0">
+            <a:spAutoFit/>
+          </a:bodyPr>
+          <a:lstStyle/>
+          <a:p>
+            <a:pPr algn="ctr"/>
+            <a:endParaRPr lang="en-US" sz="1000">
+              <a:solidFill>
+                <a:schemeClr val="dk2"/>
+              </a:solidFill>
+              <a:latin typeface="Calibri" panose="020F0502020204030204" pitchFamily="34" charset="0"/>
+            </a:endParaRPr>
+          </a:p>
+        </p:txBody>
+      </p:sp>
+      <p:sp>
+        <p:nvSpPr>
+          <p:cNvPr id="171" name="OTLSHAPE_SLT_e14081218d4a44a8abce49e6f1a73747_StartDate"/>
+          <p:cNvSpPr txBox="1"/>
+          <p:nvPr>
+            <p:custDataLst>
+              <p:tags r:id="rId80"/>
+            </p:custDataLst>
+          </p:nvPr>
+        </p:nvSpPr>
+        <p:spPr>
+          <a:xfrm>
+            <a:off x="1854073" y="4617043"/>
+            <a:ext cx="330200" cy="155025"/>
+          </a:xfrm>
+          <a:prstGeom prst="rect">
+            <a:avLst/>
+          </a:prstGeom>
+          <a:noFill/>
+        </p:spPr>
+        <p:txBody>
+          <a:bodyPr vert="horz" wrap="square" lIns="0" tIns="0" rIns="0" bIns="0" rtlCol="0" anchor="ctr" anchorCtr="0">
+            <a:spAutoFit/>
+          </a:bodyPr>
+          <a:lstStyle/>
+          <a:p>
+            <a:pPr algn="ctr"/>
+            <a:r>
+              <a:rPr lang="en-US" sz="1000" spc="-8" smtClean="0">
+                <a:solidFill>
+                  <a:schemeClr val="dk2"/>
+                </a:solidFill>
+                <a:latin typeface="Calibri" panose="020F0502020204030204" pitchFamily="34" charset="0"/>
+              </a:rPr>
+              <a:t>May 5</a:t>
+            </a:r>
+            <a:endParaRPr lang="en-US" sz="1000" spc="-8">
+              <a:solidFill>
+                <a:schemeClr val="dk2"/>
+              </a:solidFill>
+              <a:latin typeface="Calibri" panose="020F0502020204030204" pitchFamily="34" charset="0"/>
+            </a:endParaRPr>
+          </a:p>
+        </p:txBody>
+      </p:sp>
+      <p:sp>
+        <p:nvSpPr>
+          <p:cNvPr id="172" name="OTLSHAPE_SLT_e14081218d4a44a8abce49e6f1a73747_EndDate"/>
+          <p:cNvSpPr txBox="1"/>
+          <p:nvPr>
+            <p:custDataLst>
+              <p:tags r:id="rId81"/>
+            </p:custDataLst>
+          </p:nvPr>
+        </p:nvSpPr>
+        <p:spPr>
+          <a:xfrm>
+            <a:off x="4064667" y="4617043"/>
+            <a:ext cx="330200" cy="155025"/>
+          </a:xfrm>
+          <a:prstGeom prst="rect">
+            <a:avLst/>
+          </a:prstGeom>
+          <a:noFill/>
+        </p:spPr>
+        <p:txBody>
+          <a:bodyPr vert="horz" wrap="square" lIns="0" tIns="0" rIns="0" bIns="0" rtlCol="0" anchor="ctr" anchorCtr="0">
+            <a:spAutoFit/>
+          </a:bodyPr>
+          <a:lstStyle/>
+          <a:p>
+            <a:pPr algn="ctr"/>
+            <a:r>
+              <a:rPr lang="en-US" sz="1000" spc="-8" smtClean="0">
+                <a:solidFill>
+                  <a:schemeClr val="dk2"/>
+                </a:solidFill>
+                <a:latin typeface="Calibri" panose="020F0502020204030204" pitchFamily="34" charset="0"/>
+              </a:rPr>
+              <a:t>May 6</a:t>
+            </a:r>
+            <a:endParaRPr lang="en-US" sz="1000" spc="-8">
+              <a:solidFill>
+                <a:schemeClr val="dk2"/>
+              </a:solidFill>
+              <a:latin typeface="Calibri" panose="020F0502020204030204" pitchFamily="34" charset="0"/>
+            </a:endParaRPr>
+          </a:p>
+        </p:txBody>
+      </p:sp>
+      <p:sp>
+        <p:nvSpPr>
+          <p:cNvPr id="173" name="OTLSHAPE_SLT_e14081218d4a44a8abce49e6f1a73747_Title"/>
+          <p:cNvSpPr txBox="1"/>
+          <p:nvPr>
+            <p:custDataLst>
+              <p:tags r:id="rId82"/>
+            </p:custDataLst>
+          </p:nvPr>
+        </p:nvSpPr>
+        <p:spPr>
+          <a:xfrm>
+            <a:off x="2583937" y="4609296"/>
+            <a:ext cx="1079500" cy="170519"/>
+          </a:xfrm>
+          <a:prstGeom prst="rect">
+            <a:avLst/>
+          </a:prstGeom>
+          <a:noFill/>
+        </p:spPr>
+        <p:txBody>
+          <a:bodyPr vert="horz" wrap="square" lIns="0" tIns="0" rIns="0" bIns="0" rtlCol="0" anchor="ctr" anchorCtr="0">
+            <a:spAutoFit/>
+          </a:bodyPr>
+          <a:lstStyle/>
+          <a:p>
+            <a:pPr algn="ctr"/>
+            <a:r>
+              <a:rPr lang="en-US" sz="1100" b="1" spc="-6" smtClean="0">
+                <a:solidFill>
+                  <a:schemeClr val="dk1"/>
+                </a:solidFill>
+                <a:latin typeface="Calibri" panose="020F0502020204030204" pitchFamily="34" charset="0"/>
+              </a:rPr>
+              <a:t>Admin Home Page</a:t>
+            </a:r>
+            <a:endParaRPr lang="en-US" sz="1100" b="1" spc="-6">
+              <a:solidFill>
+                <a:schemeClr val="dk1"/>
+              </a:solidFill>
+              <a:latin typeface="Calibri" panose="020F0502020204030204" pitchFamily="34" charset="0"/>
+            </a:endParaRPr>
+          </a:p>
+        </p:txBody>
+      </p:sp>
+      <p:sp>
+        <p:nvSpPr>
+          <p:cNvPr id="176" name="OTLSHAPE_SLT_fd02d61b6e414be081aa8187ace2dc5e_Duration" hidden="1"/>
+          <p:cNvSpPr txBox="1"/>
+          <p:nvPr>
+            <p:custDataLst>
+              <p:tags r:id="rId83"/>
+            </p:custDataLst>
+          </p:nvPr>
+        </p:nvSpPr>
+        <p:spPr>
+          <a:xfrm>
+            <a:off x="12700" y="-233521"/>
+            <a:ext cx="330200" cy="165100"/>
+          </a:xfrm>
+          <a:prstGeom prst="rect">
+            <a:avLst/>
+          </a:prstGeom>
+          <a:noFill/>
+        </p:spPr>
+        <p:txBody>
+          <a:bodyPr vert="horz" wrap="square" lIns="0" tIns="0" rIns="0" bIns="0" rtlCol="0" anchor="ctr" anchorCtr="0">
+            <a:spAutoFit/>
+          </a:bodyPr>
+          <a:lstStyle/>
+          <a:p>
+            <a:r>
+              <a:rPr lang="en-US" sz="1000" smtClean="0">
+                <a:solidFill>
+                  <a:schemeClr val="accent2"/>
+                </a:solidFill>
+                <a:latin typeface="Calibri" panose="020F0502020204030204" pitchFamily="34" charset="0"/>
+              </a:rPr>
+              <a:t>2 days</a:t>
+            </a:r>
+            <a:endParaRPr lang="en-US" sz="1000">
+              <a:solidFill>
+                <a:schemeClr val="accent2"/>
+              </a:solidFill>
+              <a:latin typeface="Calibri" panose="020F0502020204030204" pitchFamily="34" charset="0"/>
+            </a:endParaRPr>
+          </a:p>
+        </p:txBody>
+      </p:sp>
+      <p:sp>
+        <p:nvSpPr>
+          <p:cNvPr id="177" name="OTLSHAPE_SLT_fd02d61b6e414be081aa8187ace2dc5e_TextPercentage" hidden="1"/>
+          <p:cNvSpPr txBox="1"/>
+          <p:nvPr>
+            <p:custDataLst>
+              <p:tags r:id="rId84"/>
+            </p:custDataLst>
+          </p:nvPr>
+        </p:nvSpPr>
+        <p:spPr>
+          <a:xfrm>
+            <a:off x="12700" y="74255"/>
+            <a:ext cx="0" cy="0"/>
+          </a:xfrm>
+          <a:prstGeom prst="rect">
+            <a:avLst/>
+          </a:prstGeom>
+          <a:noFill/>
+        </p:spPr>
+        <p:txBody>
+          <a:bodyPr vert="horz" wrap="square" lIns="0" tIns="0" rIns="0" bIns="0" rtlCol="0" anchor="ctr" anchorCtr="0">
+            <a:spAutoFit/>
+          </a:bodyPr>
+          <a:lstStyle/>
+          <a:p>
+            <a:endParaRPr lang="en-US" sz="1000">
+              <a:solidFill>
+                <a:schemeClr val="accent2"/>
+              </a:solidFill>
+              <a:latin typeface="Calibri" panose="020F0502020204030204" pitchFamily="34" charset="0"/>
+            </a:endParaRPr>
+          </a:p>
+        </p:txBody>
+      </p:sp>
+      <p:sp>
+        <p:nvSpPr>
+          <p:cNvPr id="178" name="OTLSHAPE_SLT_fd02d61b6e414be081aa8187ace2dc5e_JoinedDate" hidden="1"/>
+          <p:cNvSpPr txBox="1"/>
+          <p:nvPr>
+            <p:custDataLst>
+              <p:tags r:id="rId85"/>
+            </p:custDataLst>
+          </p:nvPr>
+        </p:nvSpPr>
+        <p:spPr>
+          <a:xfrm>
+            <a:off x="12700" y="74255"/>
+            <a:ext cx="0" cy="0"/>
+          </a:xfrm>
+          <a:prstGeom prst="rect">
+            <a:avLst/>
+          </a:prstGeom>
+          <a:noFill/>
+        </p:spPr>
+        <p:txBody>
+          <a:bodyPr vert="horz" wrap="square" lIns="0" tIns="0" rIns="0" bIns="0" rtlCol="0" anchor="ctr" anchorCtr="0">
+            <a:spAutoFit/>
+          </a:bodyPr>
+          <a:lstStyle/>
+          <a:p>
+            <a:pPr algn="ctr"/>
+            <a:endParaRPr lang="en-US" sz="1000">
+              <a:solidFill>
+                <a:schemeClr val="dk2"/>
+              </a:solidFill>
+              <a:latin typeface="Calibri" panose="020F0502020204030204" pitchFamily="34" charset="0"/>
+            </a:endParaRPr>
+          </a:p>
+        </p:txBody>
+      </p:sp>
+      <p:sp>
+        <p:nvSpPr>
+          <p:cNvPr id="179" name="OTLSHAPE_SLT_fd02d61b6e414be081aa8187ace2dc5e_StartDate"/>
+          <p:cNvSpPr txBox="1"/>
+          <p:nvPr>
+            <p:custDataLst>
+              <p:tags r:id="rId86"/>
+            </p:custDataLst>
+          </p:nvPr>
+        </p:nvSpPr>
+        <p:spPr>
+          <a:xfrm>
+            <a:off x="2750067" y="4883743"/>
+            <a:ext cx="330200" cy="155025"/>
+          </a:xfrm>
+          <a:prstGeom prst="rect">
+            <a:avLst/>
+          </a:prstGeom>
+          <a:noFill/>
+        </p:spPr>
+        <p:txBody>
+          <a:bodyPr vert="horz" wrap="square" lIns="0" tIns="0" rIns="0" bIns="0" rtlCol="0" anchor="ctr" anchorCtr="0">
+            <a:spAutoFit/>
+          </a:bodyPr>
+          <a:lstStyle/>
+          <a:p>
+            <a:pPr algn="ctr"/>
+            <a:r>
+              <a:rPr lang="en-US" sz="1000" spc="-8" smtClean="0">
+                <a:solidFill>
+                  <a:schemeClr val="dk2"/>
+                </a:solidFill>
+                <a:latin typeface="Calibri" panose="020F0502020204030204" pitchFamily="34" charset="0"/>
+              </a:rPr>
+              <a:t>May 6</a:t>
+            </a:r>
+            <a:endParaRPr lang="en-US" sz="1000" spc="-8">
+              <a:solidFill>
+                <a:schemeClr val="dk2"/>
+              </a:solidFill>
+              <a:latin typeface="Calibri" panose="020F0502020204030204" pitchFamily="34" charset="0"/>
+            </a:endParaRPr>
+          </a:p>
+        </p:txBody>
+      </p:sp>
+      <p:sp>
+        <p:nvSpPr>
+          <p:cNvPr id="180" name="OTLSHAPE_SLT_fd02d61b6e414be081aa8187ace2dc5e_EndDate"/>
+          <p:cNvSpPr txBox="1"/>
+          <p:nvPr>
+            <p:custDataLst>
+              <p:tags r:id="rId87"/>
+            </p:custDataLst>
+          </p:nvPr>
+        </p:nvSpPr>
+        <p:spPr>
+          <a:xfrm>
+            <a:off x="6752651" y="4883743"/>
+            <a:ext cx="330200" cy="155025"/>
+          </a:xfrm>
+          <a:prstGeom prst="rect">
+            <a:avLst/>
+          </a:prstGeom>
+          <a:noFill/>
+        </p:spPr>
+        <p:txBody>
+          <a:bodyPr vert="horz" wrap="square" lIns="0" tIns="0" rIns="0" bIns="0" rtlCol="0" anchor="ctr" anchorCtr="0">
+            <a:spAutoFit/>
+          </a:bodyPr>
+          <a:lstStyle/>
+          <a:p>
+            <a:pPr algn="ctr"/>
+            <a:r>
+              <a:rPr lang="en-US" sz="1000" spc="-8" smtClean="0">
+                <a:solidFill>
+                  <a:schemeClr val="dk2"/>
+                </a:solidFill>
+                <a:latin typeface="Calibri" panose="020F0502020204030204" pitchFamily="34" charset="0"/>
+              </a:rPr>
+              <a:t>May 9</a:t>
+            </a:r>
+            <a:endParaRPr lang="en-US" sz="1000" spc="-8">
+              <a:solidFill>
+                <a:schemeClr val="dk2"/>
+              </a:solidFill>
+              <a:latin typeface="Calibri" panose="020F0502020204030204" pitchFamily="34" charset="0"/>
+            </a:endParaRPr>
+          </a:p>
+        </p:txBody>
+      </p:sp>
+      <p:sp>
+        <p:nvSpPr>
+          <p:cNvPr id="181" name="OTLSHAPE_SLT_fd02d61b6e414be081aa8187ace2dc5e_Title"/>
+          <p:cNvSpPr txBox="1"/>
+          <p:nvPr>
+            <p:custDataLst>
+              <p:tags r:id="rId88"/>
+            </p:custDataLst>
+          </p:nvPr>
+        </p:nvSpPr>
+        <p:spPr>
+          <a:xfrm>
+            <a:off x="4585814" y="4875996"/>
+            <a:ext cx="660400" cy="170519"/>
+          </a:xfrm>
+          <a:prstGeom prst="rect">
+            <a:avLst/>
+          </a:prstGeom>
+          <a:noFill/>
+        </p:spPr>
+        <p:txBody>
+          <a:bodyPr vert="horz" wrap="square" lIns="0" tIns="0" rIns="0" bIns="0" rtlCol="0" anchor="ctr" anchorCtr="0">
+            <a:spAutoFit/>
+          </a:bodyPr>
+          <a:lstStyle/>
+          <a:p>
+            <a:pPr algn="ctr"/>
+            <a:r>
+              <a:rPr lang="en-US" sz="1100" b="1" spc="-6" smtClean="0">
+                <a:solidFill>
+                  <a:schemeClr val="dk1"/>
+                </a:solidFill>
+                <a:latin typeface="Calibri" panose="020F0502020204030204" pitchFamily="34" charset="0"/>
+              </a:rPr>
+              <a:t>Add Admin</a:t>
+            </a:r>
+            <a:endParaRPr lang="en-US" sz="1100" b="1" spc="-6">
+              <a:solidFill>
+                <a:schemeClr val="dk1"/>
+              </a:solidFill>
+              <a:latin typeface="Calibri" panose="020F0502020204030204" pitchFamily="34" charset="0"/>
+            </a:endParaRPr>
+          </a:p>
+        </p:txBody>
+      </p:sp>
+      <p:sp>
+        <p:nvSpPr>
+          <p:cNvPr id="184" name="OTLSHAPE_SLT_fe49809daea842a792bda8e52088460b_Duration" hidden="1"/>
+          <p:cNvSpPr txBox="1"/>
+          <p:nvPr>
+            <p:custDataLst>
+              <p:tags r:id="rId89"/>
+            </p:custDataLst>
+          </p:nvPr>
+        </p:nvSpPr>
+        <p:spPr>
+          <a:xfrm>
+            <a:off x="12700" y="-233521"/>
+            <a:ext cx="330200" cy="165100"/>
+          </a:xfrm>
+          <a:prstGeom prst="rect">
+            <a:avLst/>
+          </a:prstGeom>
+          <a:noFill/>
+        </p:spPr>
+        <p:txBody>
+          <a:bodyPr vert="horz" wrap="square" lIns="0" tIns="0" rIns="0" bIns="0" rtlCol="0" anchor="ctr" anchorCtr="0">
+            <a:spAutoFit/>
+          </a:bodyPr>
+          <a:lstStyle/>
+          <a:p>
+            <a:r>
+              <a:rPr lang="en-US" sz="1000" smtClean="0">
+                <a:solidFill>
+                  <a:schemeClr val="accent2"/>
+                </a:solidFill>
+                <a:latin typeface="Calibri" panose="020F0502020204030204" pitchFamily="34" charset="0"/>
+              </a:rPr>
+              <a:t>3 days</a:t>
+            </a:r>
+            <a:endParaRPr lang="en-US" sz="1000">
+              <a:solidFill>
+                <a:schemeClr val="accent2"/>
+              </a:solidFill>
+              <a:latin typeface="Calibri" panose="020F0502020204030204" pitchFamily="34" charset="0"/>
+            </a:endParaRPr>
+          </a:p>
+        </p:txBody>
+      </p:sp>
+      <p:sp>
+        <p:nvSpPr>
+          <p:cNvPr id="185" name="OTLSHAPE_SLT_fe49809daea842a792bda8e52088460b_TextPercentage" hidden="1"/>
+          <p:cNvSpPr txBox="1"/>
+          <p:nvPr>
+            <p:custDataLst>
+              <p:tags r:id="rId90"/>
+            </p:custDataLst>
+          </p:nvPr>
+        </p:nvSpPr>
+        <p:spPr>
+          <a:xfrm>
+            <a:off x="12700" y="74255"/>
+            <a:ext cx="0" cy="0"/>
+          </a:xfrm>
+          <a:prstGeom prst="rect">
+            <a:avLst/>
+          </a:prstGeom>
+          <a:noFill/>
+        </p:spPr>
+        <p:txBody>
+          <a:bodyPr vert="horz" wrap="square" lIns="0" tIns="0" rIns="0" bIns="0" rtlCol="0" anchor="ctr" anchorCtr="0">
+            <a:spAutoFit/>
+          </a:bodyPr>
+          <a:lstStyle/>
+          <a:p>
+            <a:endParaRPr lang="en-US" sz="1000">
+              <a:solidFill>
+                <a:schemeClr val="accent2"/>
+              </a:solidFill>
+              <a:latin typeface="Calibri" panose="020F0502020204030204" pitchFamily="34" charset="0"/>
+            </a:endParaRPr>
+          </a:p>
+        </p:txBody>
+      </p:sp>
+      <p:sp>
+        <p:nvSpPr>
+          <p:cNvPr id="186" name="OTLSHAPE_SLT_fe49809daea842a792bda8e52088460b_JoinedDate" hidden="1"/>
+          <p:cNvSpPr txBox="1"/>
+          <p:nvPr>
+            <p:custDataLst>
+              <p:tags r:id="rId91"/>
+            </p:custDataLst>
+          </p:nvPr>
+        </p:nvSpPr>
+        <p:spPr>
+          <a:xfrm>
+            <a:off x="12700" y="74255"/>
+            <a:ext cx="0" cy="0"/>
+          </a:xfrm>
+          <a:prstGeom prst="rect">
+            <a:avLst/>
+          </a:prstGeom>
+          <a:noFill/>
+        </p:spPr>
+        <p:txBody>
+          <a:bodyPr vert="horz" wrap="square" lIns="0" tIns="0" rIns="0" bIns="0" rtlCol="0" anchor="ctr" anchorCtr="0">
+            <a:spAutoFit/>
+          </a:bodyPr>
+          <a:lstStyle/>
+          <a:p>
+            <a:pPr algn="ctr"/>
+            <a:endParaRPr lang="en-US" sz="1000">
+              <a:solidFill>
+                <a:schemeClr val="dk2"/>
+              </a:solidFill>
+              <a:latin typeface="Calibri" panose="020F0502020204030204" pitchFamily="34" charset="0"/>
+            </a:endParaRPr>
+          </a:p>
+        </p:txBody>
+      </p:sp>
+      <p:sp>
+        <p:nvSpPr>
+          <p:cNvPr id="187" name="OTLSHAPE_SLT_fe49809daea842a792bda8e52088460b_StartDate"/>
+          <p:cNvSpPr txBox="1"/>
+          <p:nvPr>
+            <p:custDataLst>
+              <p:tags r:id="rId92"/>
+            </p:custDataLst>
+          </p:nvPr>
+        </p:nvSpPr>
+        <p:spPr>
+          <a:xfrm>
+            <a:off x="7165651" y="5150443"/>
+            <a:ext cx="393700" cy="155025"/>
+          </a:xfrm>
+          <a:prstGeom prst="rect">
+            <a:avLst/>
+          </a:prstGeom>
+          <a:noFill/>
+        </p:spPr>
+        <p:txBody>
+          <a:bodyPr vert="horz" wrap="square" lIns="0" tIns="0" rIns="0" bIns="0" rtlCol="0" anchor="ctr" anchorCtr="0">
+            <a:spAutoFit/>
+          </a:bodyPr>
+          <a:lstStyle/>
+          <a:p>
+            <a:pPr algn="ctr"/>
+            <a:r>
+              <a:rPr lang="en-US" sz="1000" spc="-8" smtClean="0">
+                <a:solidFill>
+                  <a:schemeClr val="dk2"/>
+                </a:solidFill>
+                <a:latin typeface="Calibri" panose="020F0502020204030204" pitchFamily="34" charset="0"/>
+              </a:rPr>
+              <a:t>May 11</a:t>
+            </a:r>
+            <a:endParaRPr lang="en-US" sz="1000" spc="-8">
+              <a:solidFill>
+                <a:schemeClr val="dk2"/>
+              </a:solidFill>
+              <a:latin typeface="Calibri" panose="020F0502020204030204" pitchFamily="34" charset="0"/>
+            </a:endParaRPr>
+          </a:p>
+        </p:txBody>
+      </p:sp>
+      <p:sp>
+        <p:nvSpPr>
+          <p:cNvPr id="188" name="OTLSHAPE_SLT_fe49809daea842a792bda8e52088460b_EndDate"/>
+          <p:cNvSpPr txBox="1"/>
+          <p:nvPr>
+            <p:custDataLst>
+              <p:tags r:id="rId93"/>
+            </p:custDataLst>
+          </p:nvPr>
+        </p:nvSpPr>
+        <p:spPr>
+          <a:xfrm>
+            <a:off x="10336628" y="5150443"/>
+            <a:ext cx="393700" cy="155025"/>
+          </a:xfrm>
+          <a:prstGeom prst="rect">
+            <a:avLst/>
+          </a:prstGeom>
+          <a:noFill/>
+        </p:spPr>
+        <p:txBody>
+          <a:bodyPr vert="horz" wrap="square" lIns="0" tIns="0" rIns="0" bIns="0" rtlCol="0" anchor="ctr" anchorCtr="0">
+            <a:spAutoFit/>
+          </a:bodyPr>
+          <a:lstStyle/>
+          <a:p>
+            <a:pPr algn="ctr"/>
+            <a:r>
+              <a:rPr lang="en-US" sz="1000" spc="-8" smtClean="0">
+                <a:solidFill>
+                  <a:schemeClr val="dk2"/>
+                </a:solidFill>
+                <a:latin typeface="Calibri" panose="020F0502020204030204" pitchFamily="34" charset="0"/>
+              </a:rPr>
+              <a:t>May 13</a:t>
+            </a:r>
+            <a:endParaRPr lang="en-US" sz="1000" spc="-8">
+              <a:solidFill>
+                <a:schemeClr val="dk2"/>
+              </a:solidFill>
+              <a:latin typeface="Calibri" panose="020F0502020204030204" pitchFamily="34" charset="0"/>
+            </a:endParaRPr>
+          </a:p>
+        </p:txBody>
+      </p:sp>
+      <p:sp>
+        <p:nvSpPr>
+          <p:cNvPr id="189" name="OTLSHAPE_SLT_fe49809daea842a792bda8e52088460b_Title"/>
+          <p:cNvSpPr txBox="1"/>
+          <p:nvPr>
+            <p:custDataLst>
+              <p:tags r:id="rId94"/>
+            </p:custDataLst>
+          </p:nvPr>
+        </p:nvSpPr>
+        <p:spPr>
+          <a:xfrm>
+            <a:off x="8675617" y="5142696"/>
+            <a:ext cx="533400" cy="170519"/>
+          </a:xfrm>
+          <a:prstGeom prst="rect">
+            <a:avLst/>
+          </a:prstGeom>
+          <a:noFill/>
+        </p:spPr>
+        <p:txBody>
+          <a:bodyPr vert="horz" wrap="square" lIns="0" tIns="0" rIns="0" bIns="0" rtlCol="0" anchor="ctr" anchorCtr="0">
+            <a:spAutoFit/>
+          </a:bodyPr>
+          <a:lstStyle/>
+          <a:p>
+            <a:pPr algn="ctr"/>
+            <a:r>
+              <a:rPr lang="en-US" sz="1100" b="1" spc="-4" smtClean="0">
+                <a:solidFill>
+                  <a:schemeClr val="dk1"/>
+                </a:solidFill>
+                <a:latin typeface="Calibri" panose="020F0502020204030204" pitchFamily="34" charset="0"/>
+              </a:rPr>
+              <a:t>Add User</a:t>
+            </a:r>
+            <a:endParaRPr lang="en-US" sz="1100" b="1" spc="-4">
+              <a:solidFill>
+                <a:schemeClr val="dk1"/>
+              </a:solidFill>
+              <a:latin typeface="Calibri" panose="020F0502020204030204" pitchFamily="34" charset="0"/>
+            </a:endParaRPr>
+          </a:p>
+        </p:txBody>
+      </p:sp>
+      <p:sp>
+        <p:nvSpPr>
+          <p:cNvPr id="192" name="OTLSHAPE_SLT_0d400a0202b04264b52f11081eef6ea0_Duration" hidden="1"/>
+          <p:cNvSpPr txBox="1"/>
+          <p:nvPr>
+            <p:custDataLst>
+              <p:tags r:id="rId95"/>
+            </p:custDataLst>
+          </p:nvPr>
+        </p:nvSpPr>
+        <p:spPr>
+          <a:xfrm>
+            <a:off x="12700" y="-233521"/>
+            <a:ext cx="330200" cy="165100"/>
+          </a:xfrm>
+          <a:prstGeom prst="rect">
+            <a:avLst/>
+          </a:prstGeom>
+          <a:noFill/>
+        </p:spPr>
+        <p:txBody>
+          <a:bodyPr vert="horz" wrap="square" lIns="0" tIns="0" rIns="0" bIns="0" rtlCol="0" anchor="ctr" anchorCtr="0">
+            <a:spAutoFit/>
+          </a:bodyPr>
+          <a:lstStyle/>
+          <a:p>
+            <a:r>
+              <a:rPr lang="en-US" sz="1000" smtClean="0">
+                <a:solidFill>
+                  <a:schemeClr val="accent2"/>
+                </a:solidFill>
+                <a:latin typeface="Calibri" panose="020F0502020204030204" pitchFamily="34" charset="0"/>
+              </a:rPr>
+              <a:t>5 days</a:t>
+            </a:r>
+            <a:endParaRPr lang="en-US" sz="1000">
+              <a:solidFill>
+                <a:schemeClr val="accent2"/>
+              </a:solidFill>
+              <a:latin typeface="Calibri" panose="020F0502020204030204" pitchFamily="34" charset="0"/>
+            </a:endParaRPr>
+          </a:p>
+        </p:txBody>
+      </p:sp>
+      <p:sp>
+        <p:nvSpPr>
+          <p:cNvPr id="193" name="OTLSHAPE_SLT_0d400a0202b04264b52f11081eef6ea0_TextPercentage" hidden="1"/>
+          <p:cNvSpPr txBox="1"/>
+          <p:nvPr>
+            <p:custDataLst>
+              <p:tags r:id="rId96"/>
+            </p:custDataLst>
+          </p:nvPr>
+        </p:nvSpPr>
+        <p:spPr>
+          <a:xfrm>
+            <a:off x="12700" y="74255"/>
+            <a:ext cx="0" cy="0"/>
+          </a:xfrm>
+          <a:prstGeom prst="rect">
+            <a:avLst/>
+          </a:prstGeom>
+          <a:noFill/>
+        </p:spPr>
+        <p:txBody>
+          <a:bodyPr vert="horz" wrap="square" lIns="0" tIns="0" rIns="0" bIns="0" rtlCol="0" anchor="ctr" anchorCtr="0">
+            <a:spAutoFit/>
+          </a:bodyPr>
+          <a:lstStyle/>
+          <a:p>
+            <a:endParaRPr lang="en-US" sz="1000">
+              <a:solidFill>
+                <a:schemeClr val="accent2"/>
+              </a:solidFill>
+              <a:latin typeface="Calibri" panose="020F0502020204030204" pitchFamily="34" charset="0"/>
+            </a:endParaRPr>
+          </a:p>
+        </p:txBody>
+      </p:sp>
+      <p:sp>
+        <p:nvSpPr>
+          <p:cNvPr id="194" name="OTLSHAPE_SLT_0d400a0202b04264b52f11081eef6ea0_JoinedDate" hidden="1"/>
+          <p:cNvSpPr txBox="1"/>
+          <p:nvPr>
+            <p:custDataLst>
+              <p:tags r:id="rId97"/>
+            </p:custDataLst>
+          </p:nvPr>
+        </p:nvSpPr>
+        <p:spPr>
+          <a:xfrm>
+            <a:off x="12700" y="74255"/>
+            <a:ext cx="0" cy="0"/>
+          </a:xfrm>
+          <a:prstGeom prst="rect">
+            <a:avLst/>
+          </a:prstGeom>
+          <a:noFill/>
+        </p:spPr>
+        <p:txBody>
+          <a:bodyPr vert="horz" wrap="square" lIns="0" tIns="0" rIns="0" bIns="0" rtlCol="0" anchor="ctr" anchorCtr="0">
+            <a:spAutoFit/>
+          </a:bodyPr>
+          <a:lstStyle/>
+          <a:p>
+            <a:pPr algn="ctr"/>
+            <a:endParaRPr lang="en-US" sz="1000">
+              <a:solidFill>
+                <a:schemeClr val="dk2"/>
+              </a:solidFill>
+              <a:latin typeface="Calibri" panose="020F0502020204030204" pitchFamily="34" charset="0"/>
+            </a:endParaRPr>
+          </a:p>
+        </p:txBody>
+      </p:sp>
+      <p:sp>
+        <p:nvSpPr>
+          <p:cNvPr id="195" name="OTLSHAPE_SLT_0d400a0202b04264b52f11081eef6ea0_StartDate"/>
+          <p:cNvSpPr txBox="1"/>
+          <p:nvPr>
+            <p:custDataLst>
+              <p:tags r:id="rId98"/>
+            </p:custDataLst>
+          </p:nvPr>
+        </p:nvSpPr>
+        <p:spPr>
+          <a:xfrm>
+            <a:off x="5438051" y="5417143"/>
+            <a:ext cx="330200" cy="155025"/>
+          </a:xfrm>
+          <a:prstGeom prst="rect">
+            <a:avLst/>
+          </a:prstGeom>
+          <a:noFill/>
+        </p:spPr>
+        <p:txBody>
+          <a:bodyPr vert="horz" wrap="square" lIns="0" tIns="0" rIns="0" bIns="0" rtlCol="0" anchor="ctr" anchorCtr="0">
+            <a:spAutoFit/>
+          </a:bodyPr>
+          <a:lstStyle/>
+          <a:p>
+            <a:pPr algn="ctr"/>
+            <a:r>
+              <a:rPr lang="en-US" sz="1000" spc="-8" smtClean="0">
+                <a:solidFill>
+                  <a:schemeClr val="dk2"/>
+                </a:solidFill>
+                <a:latin typeface="Calibri" panose="020F0502020204030204" pitchFamily="34" charset="0"/>
+              </a:rPr>
+              <a:t>May 9</a:t>
+            </a:r>
+            <a:endParaRPr lang="en-US" sz="1000" spc="-8">
+              <a:solidFill>
+                <a:schemeClr val="dk2"/>
+              </a:solidFill>
+              <a:latin typeface="Calibri" panose="020F0502020204030204" pitchFamily="34" charset="0"/>
+            </a:endParaRPr>
+          </a:p>
+        </p:txBody>
+      </p:sp>
+      <p:sp>
+        <p:nvSpPr>
+          <p:cNvPr id="196" name="OTLSHAPE_SLT_0d400a0202b04264b52f11081eef6ea0_EndDate"/>
+          <p:cNvSpPr txBox="1"/>
+          <p:nvPr>
+            <p:custDataLst>
+              <p:tags r:id="rId99"/>
+            </p:custDataLst>
+          </p:nvPr>
+        </p:nvSpPr>
+        <p:spPr>
+          <a:xfrm>
+            <a:off x="10336628" y="5417143"/>
+            <a:ext cx="393700" cy="155025"/>
+          </a:xfrm>
+          <a:prstGeom prst="rect">
+            <a:avLst/>
+          </a:prstGeom>
+          <a:noFill/>
+        </p:spPr>
+        <p:txBody>
+          <a:bodyPr vert="horz" wrap="square" lIns="0" tIns="0" rIns="0" bIns="0" rtlCol="0" anchor="ctr" anchorCtr="0">
+            <a:spAutoFit/>
+          </a:bodyPr>
+          <a:lstStyle/>
+          <a:p>
+            <a:pPr algn="ctr"/>
+            <a:r>
+              <a:rPr lang="en-US" sz="1000" spc="-8" smtClean="0">
+                <a:solidFill>
+                  <a:schemeClr val="dk2"/>
+                </a:solidFill>
+                <a:latin typeface="Calibri" panose="020F0502020204030204" pitchFamily="34" charset="0"/>
+              </a:rPr>
+              <a:t>May 13</a:t>
+            </a:r>
+            <a:endParaRPr lang="en-US" sz="1000" spc="-8">
+              <a:solidFill>
+                <a:schemeClr val="dk2"/>
+              </a:solidFill>
+              <a:latin typeface="Calibri" panose="020F0502020204030204" pitchFamily="34" charset="0"/>
+            </a:endParaRPr>
+          </a:p>
+        </p:txBody>
+      </p:sp>
+      <p:sp>
+        <p:nvSpPr>
+          <p:cNvPr id="197" name="OTLSHAPE_SLT_0d400a0202b04264b52f11081eef6ea0_Title"/>
+          <p:cNvSpPr txBox="1"/>
+          <p:nvPr>
+            <p:custDataLst>
+              <p:tags r:id="rId100"/>
+            </p:custDataLst>
+          </p:nvPr>
+        </p:nvSpPr>
+        <p:spPr>
+          <a:xfrm>
+            <a:off x="7816770" y="5409396"/>
+            <a:ext cx="469900" cy="170519"/>
+          </a:xfrm>
+          <a:prstGeom prst="rect">
+            <a:avLst/>
+          </a:prstGeom>
+          <a:noFill/>
+        </p:spPr>
+        <p:txBody>
+          <a:bodyPr vert="horz" wrap="square" lIns="0" tIns="0" rIns="0" bIns="0" rtlCol="0" anchor="ctr" anchorCtr="0">
+            <a:spAutoFit/>
+          </a:bodyPr>
+          <a:lstStyle/>
+          <a:p>
+            <a:pPr algn="ctr"/>
+            <a:r>
+              <a:rPr lang="en-US" sz="1100" b="1" spc="-6" smtClean="0">
+                <a:solidFill>
+                  <a:schemeClr val="dk1"/>
+                </a:solidFill>
+                <a:latin typeface="Calibri" panose="020F0502020204030204" pitchFamily="34" charset="0"/>
+              </a:rPr>
+              <a:t>Add Car</a:t>
+            </a:r>
+            <a:endParaRPr lang="en-US" sz="1100" b="1" spc="-6">
+              <a:solidFill>
+                <a:schemeClr val="dk1"/>
+              </a:solidFill>
+              <a:latin typeface="Calibri" panose="020F0502020204030204" pitchFamily="34" charset="0"/>
+            </a:endParaRPr>
+          </a:p>
+        </p:txBody>
+      </p:sp>
+      <p:sp>
+        <p:nvSpPr>
+          <p:cNvPr id="200" name="OTLSHAPE_SLT_1ca13ca5a95c4937b6da3214916b30ba_Duration" hidden="1"/>
+          <p:cNvSpPr txBox="1"/>
+          <p:nvPr>
+            <p:custDataLst>
+              <p:tags r:id="rId101"/>
+            </p:custDataLst>
+          </p:nvPr>
+        </p:nvSpPr>
+        <p:spPr>
+          <a:xfrm>
+            <a:off x="12700" y="-233521"/>
+            <a:ext cx="330200" cy="165100"/>
+          </a:xfrm>
+          <a:prstGeom prst="rect">
+            <a:avLst/>
+          </a:prstGeom>
+          <a:noFill/>
+        </p:spPr>
+        <p:txBody>
+          <a:bodyPr vert="horz" wrap="square" lIns="0" tIns="0" rIns="0" bIns="0" rtlCol="0" anchor="ctr" anchorCtr="0">
+            <a:spAutoFit/>
+          </a:bodyPr>
+          <a:lstStyle/>
+          <a:p>
+            <a:r>
+              <a:rPr lang="en-US" sz="1000" smtClean="0">
+                <a:solidFill>
+                  <a:schemeClr val="accent2"/>
+                </a:solidFill>
+                <a:latin typeface="Calibri" panose="020F0502020204030204" pitchFamily="34" charset="0"/>
+              </a:rPr>
+              <a:t>4 days</a:t>
+            </a:r>
+            <a:endParaRPr lang="en-US" sz="1000">
+              <a:solidFill>
+                <a:schemeClr val="accent2"/>
+              </a:solidFill>
+              <a:latin typeface="Calibri" panose="020F0502020204030204" pitchFamily="34" charset="0"/>
+            </a:endParaRPr>
+          </a:p>
+        </p:txBody>
+      </p:sp>
+      <p:sp>
+        <p:nvSpPr>
+          <p:cNvPr id="201" name="OTLSHAPE_SLT_1ca13ca5a95c4937b6da3214916b30ba_TextPercentage" hidden="1"/>
+          <p:cNvSpPr txBox="1"/>
+          <p:nvPr>
+            <p:custDataLst>
+              <p:tags r:id="rId102"/>
+            </p:custDataLst>
+          </p:nvPr>
+        </p:nvSpPr>
+        <p:spPr>
+          <a:xfrm>
+            <a:off x="12700" y="74255"/>
+            <a:ext cx="0" cy="0"/>
+          </a:xfrm>
+          <a:prstGeom prst="rect">
+            <a:avLst/>
+          </a:prstGeom>
+          <a:noFill/>
+        </p:spPr>
+        <p:txBody>
+          <a:bodyPr vert="horz" wrap="square" lIns="0" tIns="0" rIns="0" bIns="0" rtlCol="0" anchor="ctr" anchorCtr="0">
+            <a:spAutoFit/>
+          </a:bodyPr>
+          <a:lstStyle/>
+          <a:p>
+            <a:endParaRPr lang="en-US" sz="1000">
+              <a:solidFill>
+                <a:schemeClr val="accent2"/>
+              </a:solidFill>
+              <a:latin typeface="Calibri" panose="020F0502020204030204" pitchFamily="34" charset="0"/>
+            </a:endParaRPr>
+          </a:p>
+        </p:txBody>
+      </p:sp>
+      <p:sp>
+        <p:nvSpPr>
+          <p:cNvPr id="202" name="OTLSHAPE_SLT_1ca13ca5a95c4937b6da3214916b30ba_JoinedDate" hidden="1"/>
+          <p:cNvSpPr txBox="1"/>
+          <p:nvPr>
+            <p:custDataLst>
+              <p:tags r:id="rId103"/>
+            </p:custDataLst>
+          </p:nvPr>
+        </p:nvSpPr>
+        <p:spPr>
+          <a:xfrm>
+            <a:off x="12700" y="74255"/>
+            <a:ext cx="0" cy="0"/>
+          </a:xfrm>
+          <a:prstGeom prst="rect">
+            <a:avLst/>
+          </a:prstGeom>
+          <a:noFill/>
+        </p:spPr>
+        <p:txBody>
+          <a:bodyPr vert="horz" wrap="square" lIns="0" tIns="0" rIns="0" bIns="0" rtlCol="0" anchor="ctr" anchorCtr="0">
+            <a:spAutoFit/>
+          </a:bodyPr>
+          <a:lstStyle/>
+          <a:p>
+            <a:pPr algn="ctr"/>
+            <a:endParaRPr lang="en-US" sz="1000">
+              <a:solidFill>
+                <a:schemeClr val="dk2"/>
+              </a:solidFill>
+              <a:latin typeface="Calibri" panose="020F0502020204030204" pitchFamily="34" charset="0"/>
+            </a:endParaRPr>
+          </a:p>
+        </p:txBody>
+      </p:sp>
+      <p:sp>
+        <p:nvSpPr>
+          <p:cNvPr id="203" name="OTLSHAPE_SLT_1ca13ca5a95c4937b6da3214916b30ba_StartDate"/>
+          <p:cNvSpPr txBox="1"/>
+          <p:nvPr>
+            <p:custDataLst>
+              <p:tags r:id="rId104"/>
+            </p:custDataLst>
+          </p:nvPr>
+        </p:nvSpPr>
+        <p:spPr>
+          <a:xfrm>
+            <a:off x="6269656" y="5683843"/>
+            <a:ext cx="393700" cy="155025"/>
+          </a:xfrm>
+          <a:prstGeom prst="rect">
+            <a:avLst/>
+          </a:prstGeom>
+          <a:noFill/>
+        </p:spPr>
+        <p:txBody>
+          <a:bodyPr vert="horz" wrap="square" lIns="0" tIns="0" rIns="0" bIns="0" rtlCol="0" anchor="ctr" anchorCtr="0">
+            <a:spAutoFit/>
+          </a:bodyPr>
+          <a:lstStyle/>
+          <a:p>
+            <a:pPr algn="ctr"/>
+            <a:r>
+              <a:rPr lang="en-US" sz="1000" spc="-8" smtClean="0">
+                <a:solidFill>
+                  <a:schemeClr val="dk2"/>
+                </a:solidFill>
+                <a:latin typeface="Calibri" panose="020F0502020204030204" pitchFamily="34" charset="0"/>
+              </a:rPr>
+              <a:t>May 10</a:t>
+            </a:r>
+            <a:endParaRPr lang="en-US" sz="1000" spc="-8">
+              <a:solidFill>
+                <a:schemeClr val="dk2"/>
+              </a:solidFill>
+              <a:latin typeface="Calibri" panose="020F0502020204030204" pitchFamily="34" charset="0"/>
+            </a:endParaRPr>
+          </a:p>
+        </p:txBody>
+      </p:sp>
+      <p:sp>
+        <p:nvSpPr>
+          <p:cNvPr id="204" name="OTLSHAPE_SLT_1ca13ca5a95c4937b6da3214916b30ba_EndDate"/>
+          <p:cNvSpPr txBox="1"/>
+          <p:nvPr>
+            <p:custDataLst>
+              <p:tags r:id="rId105"/>
+            </p:custDataLst>
+          </p:nvPr>
+        </p:nvSpPr>
+        <p:spPr>
+          <a:xfrm>
+            <a:off x="10336628" y="5683843"/>
+            <a:ext cx="393700" cy="155025"/>
+          </a:xfrm>
+          <a:prstGeom prst="rect">
+            <a:avLst/>
+          </a:prstGeom>
+          <a:noFill/>
+        </p:spPr>
+        <p:txBody>
+          <a:bodyPr vert="horz" wrap="square" lIns="0" tIns="0" rIns="0" bIns="0" rtlCol="0" anchor="ctr" anchorCtr="0">
+            <a:spAutoFit/>
+          </a:bodyPr>
+          <a:lstStyle/>
+          <a:p>
+            <a:pPr algn="ctr"/>
+            <a:r>
+              <a:rPr lang="en-US" sz="1000" spc="-8" smtClean="0">
+                <a:solidFill>
+                  <a:schemeClr val="dk2"/>
+                </a:solidFill>
+                <a:latin typeface="Calibri" panose="020F0502020204030204" pitchFamily="34" charset="0"/>
+              </a:rPr>
+              <a:t>May 13</a:t>
+            </a:r>
+            <a:endParaRPr lang="en-US" sz="1000" spc="-8">
+              <a:solidFill>
+                <a:schemeClr val="dk2"/>
+              </a:solidFill>
+              <a:latin typeface="Calibri" panose="020F0502020204030204" pitchFamily="34" charset="0"/>
+            </a:endParaRPr>
+          </a:p>
+        </p:txBody>
+      </p:sp>
+      <p:sp>
+        <p:nvSpPr>
+          <p:cNvPr id="205" name="OTLSHAPE_SLT_1ca13ca5a95c4937b6da3214916b30ba_Title"/>
+          <p:cNvSpPr txBox="1"/>
+          <p:nvPr>
+            <p:custDataLst>
+              <p:tags r:id="rId106"/>
+            </p:custDataLst>
+          </p:nvPr>
+        </p:nvSpPr>
+        <p:spPr>
+          <a:xfrm>
+            <a:off x="8192526" y="5676096"/>
+            <a:ext cx="609600" cy="170519"/>
+          </a:xfrm>
+          <a:prstGeom prst="rect">
+            <a:avLst/>
+          </a:prstGeom>
+          <a:noFill/>
+        </p:spPr>
+        <p:txBody>
+          <a:bodyPr vert="horz" wrap="square" lIns="0" tIns="0" rIns="0" bIns="0" rtlCol="0" anchor="ctr" anchorCtr="0">
+            <a:spAutoFit/>
+          </a:bodyPr>
+          <a:lstStyle/>
+          <a:p>
+            <a:pPr algn="ctr"/>
+            <a:r>
+              <a:rPr lang="en-US" sz="1100" b="1" spc="-6" smtClean="0">
+                <a:solidFill>
+                  <a:schemeClr val="dk1"/>
+                </a:solidFill>
+                <a:latin typeface="Calibri" panose="020F0502020204030204" pitchFamily="34" charset="0"/>
+              </a:rPr>
+              <a:t>Delete Car</a:t>
+            </a:r>
+            <a:endParaRPr lang="en-US" sz="1100" b="1" spc="-6">
+              <a:solidFill>
+                <a:schemeClr val="dk1"/>
+              </a:solidFill>
+              <a:latin typeface="Calibri" panose="020F0502020204030204" pitchFamily="34" charset="0"/>
+            </a:endParaRPr>
+          </a:p>
+        </p:txBody>
+      </p:sp>
+      <p:sp>
+        <p:nvSpPr>
+          <p:cNvPr id="208" name="OTLSHAPE_SLT_8b38437b96ae47c2a89e2f9a411c8c28_Duration" hidden="1"/>
+          <p:cNvSpPr txBox="1"/>
+          <p:nvPr>
+            <p:custDataLst>
+              <p:tags r:id="rId107"/>
+            </p:custDataLst>
+          </p:nvPr>
+        </p:nvSpPr>
+        <p:spPr>
+          <a:xfrm>
+            <a:off x="12700" y="-233521"/>
+            <a:ext cx="330200" cy="165100"/>
+          </a:xfrm>
+          <a:prstGeom prst="rect">
+            <a:avLst/>
+          </a:prstGeom>
+          <a:noFill/>
+        </p:spPr>
+        <p:txBody>
+          <a:bodyPr vert="horz" wrap="square" lIns="0" tIns="0" rIns="0" bIns="0" rtlCol="0" anchor="ctr" anchorCtr="0">
+            <a:spAutoFit/>
+          </a:bodyPr>
+          <a:lstStyle/>
+          <a:p>
+            <a:r>
+              <a:rPr lang="en-US" sz="1000" smtClean="0">
+                <a:solidFill>
+                  <a:schemeClr val="accent2"/>
+                </a:solidFill>
+                <a:latin typeface="Calibri" panose="020F0502020204030204" pitchFamily="34" charset="0"/>
+              </a:rPr>
+              <a:t>2 days</a:t>
+            </a:r>
+            <a:endParaRPr lang="en-US" sz="1000">
+              <a:solidFill>
+                <a:schemeClr val="accent2"/>
+              </a:solidFill>
+              <a:latin typeface="Calibri" panose="020F0502020204030204" pitchFamily="34" charset="0"/>
+            </a:endParaRPr>
+          </a:p>
+        </p:txBody>
+      </p:sp>
+      <p:sp>
+        <p:nvSpPr>
+          <p:cNvPr id="209" name="OTLSHAPE_SLT_8b38437b96ae47c2a89e2f9a411c8c28_TextPercentage" hidden="1"/>
+          <p:cNvSpPr txBox="1"/>
+          <p:nvPr>
+            <p:custDataLst>
+              <p:tags r:id="rId108"/>
+            </p:custDataLst>
+          </p:nvPr>
+        </p:nvSpPr>
+        <p:spPr>
+          <a:xfrm>
+            <a:off x="12700" y="74255"/>
+            <a:ext cx="0" cy="0"/>
+          </a:xfrm>
+          <a:prstGeom prst="rect">
+            <a:avLst/>
+          </a:prstGeom>
+          <a:noFill/>
+        </p:spPr>
+        <p:txBody>
+          <a:bodyPr vert="horz" wrap="square" lIns="0" tIns="0" rIns="0" bIns="0" rtlCol="0" anchor="ctr" anchorCtr="0">
+            <a:spAutoFit/>
+          </a:bodyPr>
+          <a:lstStyle/>
+          <a:p>
+            <a:endParaRPr lang="en-US" sz="1000">
+              <a:solidFill>
+                <a:schemeClr val="accent2"/>
+              </a:solidFill>
+              <a:latin typeface="Calibri" panose="020F0502020204030204" pitchFamily="34" charset="0"/>
+            </a:endParaRPr>
+          </a:p>
+        </p:txBody>
+      </p:sp>
+      <p:sp>
+        <p:nvSpPr>
+          <p:cNvPr id="210" name="OTLSHAPE_SLT_8b38437b96ae47c2a89e2f9a411c8c28_JoinedDate" hidden="1"/>
+          <p:cNvSpPr txBox="1"/>
+          <p:nvPr>
+            <p:custDataLst>
+              <p:tags r:id="rId109"/>
+            </p:custDataLst>
+          </p:nvPr>
+        </p:nvSpPr>
+        <p:spPr>
+          <a:xfrm>
+            <a:off x="12700" y="74255"/>
+            <a:ext cx="0" cy="0"/>
+          </a:xfrm>
+          <a:prstGeom prst="rect">
+            <a:avLst/>
+          </a:prstGeom>
+          <a:noFill/>
+        </p:spPr>
+        <p:txBody>
+          <a:bodyPr vert="horz" wrap="square" lIns="0" tIns="0" rIns="0" bIns="0" rtlCol="0" anchor="ctr" anchorCtr="0">
+            <a:spAutoFit/>
+          </a:bodyPr>
+          <a:lstStyle/>
+          <a:p>
+            <a:pPr algn="ctr"/>
+            <a:endParaRPr lang="en-US" sz="1000">
+              <a:solidFill>
+                <a:schemeClr val="dk2"/>
+              </a:solidFill>
+              <a:latin typeface="Calibri" panose="020F0502020204030204" pitchFamily="34" charset="0"/>
+            </a:endParaRPr>
+          </a:p>
+        </p:txBody>
+      </p:sp>
+      <p:sp>
+        <p:nvSpPr>
+          <p:cNvPr id="211" name="OTLSHAPE_SLT_8b38437b96ae47c2a89e2f9a411c8c28_StartDate"/>
+          <p:cNvSpPr txBox="1"/>
+          <p:nvPr>
+            <p:custDataLst>
+              <p:tags r:id="rId110"/>
+            </p:custDataLst>
+          </p:nvPr>
+        </p:nvSpPr>
+        <p:spPr>
+          <a:xfrm>
+            <a:off x="8061646" y="5950543"/>
+            <a:ext cx="393700" cy="155025"/>
+          </a:xfrm>
+          <a:prstGeom prst="rect">
+            <a:avLst/>
+          </a:prstGeom>
+          <a:noFill/>
+        </p:spPr>
+        <p:txBody>
+          <a:bodyPr vert="horz" wrap="square" lIns="0" tIns="0" rIns="0" bIns="0" rtlCol="0" anchor="ctr" anchorCtr="0">
+            <a:spAutoFit/>
+          </a:bodyPr>
+          <a:lstStyle/>
+          <a:p>
+            <a:pPr algn="ctr"/>
+            <a:r>
+              <a:rPr lang="en-US" sz="1000" spc="-8" smtClean="0">
+                <a:solidFill>
+                  <a:schemeClr val="dk2"/>
+                </a:solidFill>
+                <a:latin typeface="Calibri" panose="020F0502020204030204" pitchFamily="34" charset="0"/>
+              </a:rPr>
+              <a:t>May 12</a:t>
+            </a:r>
+            <a:endParaRPr lang="en-US" sz="1000" spc="-8">
+              <a:solidFill>
+                <a:schemeClr val="dk2"/>
+              </a:solidFill>
+              <a:latin typeface="Calibri" panose="020F0502020204030204" pitchFamily="34" charset="0"/>
+            </a:endParaRPr>
+          </a:p>
+        </p:txBody>
+      </p:sp>
+      <p:sp>
+        <p:nvSpPr>
+          <p:cNvPr id="212" name="OTLSHAPE_SLT_8b38437b96ae47c2a89e2f9a411c8c28_EndDate"/>
+          <p:cNvSpPr txBox="1"/>
+          <p:nvPr>
+            <p:custDataLst>
+              <p:tags r:id="rId111"/>
+            </p:custDataLst>
+          </p:nvPr>
+        </p:nvSpPr>
+        <p:spPr>
+          <a:xfrm>
+            <a:off x="10336628" y="5950543"/>
+            <a:ext cx="393700" cy="155025"/>
+          </a:xfrm>
+          <a:prstGeom prst="rect">
+            <a:avLst/>
+          </a:prstGeom>
+          <a:noFill/>
+        </p:spPr>
+        <p:txBody>
+          <a:bodyPr vert="horz" wrap="square" lIns="0" tIns="0" rIns="0" bIns="0" rtlCol="0" anchor="ctr" anchorCtr="0">
+            <a:spAutoFit/>
+          </a:bodyPr>
+          <a:lstStyle/>
+          <a:p>
+            <a:pPr algn="ctr"/>
+            <a:r>
+              <a:rPr lang="en-US" sz="1000" spc="-8" smtClean="0">
+                <a:solidFill>
+                  <a:schemeClr val="dk2"/>
+                </a:solidFill>
+                <a:latin typeface="Calibri" panose="020F0502020204030204" pitchFamily="34" charset="0"/>
+              </a:rPr>
+              <a:t>May 13</a:t>
+            </a:r>
+            <a:endParaRPr lang="en-US" sz="1000" spc="-8">
+              <a:solidFill>
+                <a:schemeClr val="dk2"/>
+              </a:solidFill>
+              <a:latin typeface="Calibri" panose="020F0502020204030204" pitchFamily="34" charset="0"/>
+            </a:endParaRPr>
+          </a:p>
+        </p:txBody>
+      </p:sp>
+      <p:sp>
+        <p:nvSpPr>
+          <p:cNvPr id="213" name="OTLSHAPE_SLT_8b38437b96ae47c2a89e2f9a411c8c28_Title"/>
+          <p:cNvSpPr txBox="1"/>
+          <p:nvPr>
+            <p:custDataLst>
+              <p:tags r:id="rId112"/>
+            </p:custDataLst>
+          </p:nvPr>
+        </p:nvSpPr>
+        <p:spPr>
+          <a:xfrm>
+            <a:off x="9065152" y="5942796"/>
+            <a:ext cx="660400" cy="170519"/>
+          </a:xfrm>
+          <a:prstGeom prst="rect">
+            <a:avLst/>
+          </a:prstGeom>
+          <a:noFill/>
+        </p:spPr>
+        <p:txBody>
+          <a:bodyPr vert="horz" wrap="square" lIns="0" tIns="0" rIns="0" bIns="0" rtlCol="0" anchor="ctr" anchorCtr="0">
+            <a:spAutoFit/>
+          </a:bodyPr>
+          <a:lstStyle/>
+          <a:p>
+            <a:pPr algn="ctr"/>
+            <a:r>
+              <a:rPr lang="en-US" sz="1100" b="1" spc="-6" smtClean="0">
+                <a:solidFill>
+                  <a:schemeClr val="dk1"/>
+                </a:solidFill>
+                <a:latin typeface="Calibri" panose="020F0502020204030204" pitchFamily="34" charset="0"/>
+              </a:rPr>
+              <a:t>Update Car</a:t>
+            </a:r>
+            <a:endParaRPr lang="en-US" sz="1100" b="1" spc="-6">
+              <a:solidFill>
+                <a:schemeClr val="dk1"/>
+              </a:solidFill>
+              <a:latin typeface="Calibri" panose="020F0502020204030204" pitchFamily="34" charset="0"/>
+            </a:endParaRPr>
+          </a:p>
+        </p:txBody>
+      </p:sp>
+      <p:sp>
+        <p:nvSpPr>
+          <p:cNvPr id="216" name="OTLSHAPE_SLT_491a5d7cd2c9422f9fa3c6a3b66fa0db_Duration" hidden="1"/>
+          <p:cNvSpPr txBox="1"/>
+          <p:nvPr>
+            <p:custDataLst>
+              <p:tags r:id="rId113"/>
+            </p:custDataLst>
+          </p:nvPr>
+        </p:nvSpPr>
+        <p:spPr>
+          <a:xfrm>
+            <a:off x="12700" y="-156577"/>
+            <a:ext cx="279400" cy="165100"/>
+          </a:xfrm>
+          <a:prstGeom prst="rect">
+            <a:avLst/>
+          </a:prstGeom>
+          <a:noFill/>
+        </p:spPr>
+        <p:txBody>
+          <a:bodyPr vert="horz" wrap="square" lIns="0" tIns="0" rIns="0" bIns="0" rtlCol="0" anchor="ctr" anchorCtr="0">
+            <a:spAutoFit/>
+          </a:bodyPr>
+          <a:lstStyle/>
+          <a:p>
+            <a:r>
+              <a:rPr lang="en-US" sz="1000" smtClean="0">
+                <a:solidFill>
+                  <a:schemeClr val="accent2"/>
+                </a:solidFill>
+                <a:latin typeface="Calibri" panose="020F0502020204030204" pitchFamily="34" charset="0"/>
+              </a:rPr>
+              <a:t>1 day</a:t>
+            </a:r>
+            <a:endParaRPr lang="en-US" sz="1000">
+              <a:solidFill>
+                <a:schemeClr val="accent2"/>
+              </a:solidFill>
+              <a:latin typeface="Calibri" panose="020F0502020204030204" pitchFamily="34" charset="0"/>
+            </a:endParaRPr>
+          </a:p>
+        </p:txBody>
+      </p:sp>
+      <p:sp>
+        <p:nvSpPr>
+          <p:cNvPr id="217" name="OTLSHAPE_SLT_491a5d7cd2c9422f9fa3c6a3b66fa0db_TextPercentage" hidden="1"/>
+          <p:cNvSpPr txBox="1"/>
+          <p:nvPr>
+            <p:custDataLst>
+              <p:tags r:id="rId114"/>
+            </p:custDataLst>
+          </p:nvPr>
+        </p:nvSpPr>
+        <p:spPr>
+          <a:xfrm>
+            <a:off x="12700" y="74255"/>
+            <a:ext cx="0" cy="0"/>
+          </a:xfrm>
+          <a:prstGeom prst="rect">
+            <a:avLst/>
+          </a:prstGeom>
+          <a:noFill/>
+        </p:spPr>
+        <p:txBody>
+          <a:bodyPr vert="horz" wrap="square" lIns="0" tIns="0" rIns="0" bIns="0" rtlCol="0" anchor="ctr" anchorCtr="0">
+            <a:spAutoFit/>
+          </a:bodyPr>
+          <a:lstStyle/>
+          <a:p>
+            <a:endParaRPr lang="en-US" sz="1000">
+              <a:solidFill>
+                <a:schemeClr val="accent2"/>
+              </a:solidFill>
+              <a:latin typeface="Calibri" panose="020F0502020204030204" pitchFamily="34" charset="0"/>
+            </a:endParaRPr>
+          </a:p>
+        </p:txBody>
+      </p:sp>
+      <p:sp>
+        <p:nvSpPr>
+          <p:cNvPr id="218" name="OTLSHAPE_SLT_491a5d7cd2c9422f9fa3c6a3b66fa0db_JoinedDate" hidden="1"/>
+          <p:cNvSpPr txBox="1"/>
+          <p:nvPr>
+            <p:custDataLst>
+              <p:tags r:id="rId115"/>
+            </p:custDataLst>
+          </p:nvPr>
+        </p:nvSpPr>
+        <p:spPr>
+          <a:xfrm>
+            <a:off x="12700" y="74255"/>
+            <a:ext cx="0" cy="0"/>
+          </a:xfrm>
+          <a:prstGeom prst="rect">
+            <a:avLst/>
+          </a:prstGeom>
+          <a:noFill/>
+        </p:spPr>
+        <p:txBody>
+          <a:bodyPr vert="horz" wrap="square" lIns="0" tIns="0" rIns="0" bIns="0" rtlCol="0" anchor="ctr" anchorCtr="0">
+            <a:spAutoFit/>
+          </a:bodyPr>
+          <a:lstStyle/>
+          <a:p>
+            <a:pPr algn="ctr"/>
+            <a:endParaRPr lang="en-US" sz="1000">
+              <a:solidFill>
+                <a:schemeClr val="dk2"/>
+              </a:solidFill>
+              <a:latin typeface="Calibri" panose="020F0502020204030204" pitchFamily="34" charset="0"/>
+            </a:endParaRPr>
+          </a:p>
+        </p:txBody>
+      </p:sp>
+      <p:sp>
+        <p:nvSpPr>
+          <p:cNvPr id="219" name="OTLSHAPE_SLT_491a5d7cd2c9422f9fa3c6a3b66fa0db_StartDate"/>
+          <p:cNvSpPr txBox="1"/>
+          <p:nvPr>
+            <p:custDataLst>
+              <p:tags r:id="rId116"/>
+            </p:custDataLst>
+          </p:nvPr>
+        </p:nvSpPr>
+        <p:spPr>
+          <a:xfrm>
+            <a:off x="2750067" y="6293443"/>
+            <a:ext cx="330200" cy="155025"/>
+          </a:xfrm>
+          <a:prstGeom prst="rect">
+            <a:avLst/>
+          </a:prstGeom>
+          <a:noFill/>
+        </p:spPr>
+        <p:txBody>
+          <a:bodyPr vert="horz" wrap="square" lIns="0" tIns="0" rIns="0" bIns="0" rtlCol="0" anchor="ctr" anchorCtr="0">
+            <a:spAutoFit/>
+          </a:bodyPr>
+          <a:lstStyle/>
+          <a:p>
+            <a:pPr algn="ctr"/>
+            <a:r>
+              <a:rPr lang="en-US" sz="1000" spc="-8" smtClean="0">
+                <a:solidFill>
+                  <a:schemeClr val="dk2"/>
+                </a:solidFill>
+                <a:latin typeface="Calibri" panose="020F0502020204030204" pitchFamily="34" charset="0"/>
+              </a:rPr>
+              <a:t>May 6</a:t>
+            </a:r>
+            <a:endParaRPr lang="en-US" sz="1000" spc="-8">
+              <a:solidFill>
+                <a:schemeClr val="dk2"/>
+              </a:solidFill>
+              <a:latin typeface="Calibri" panose="020F0502020204030204" pitchFamily="34" charset="0"/>
+            </a:endParaRPr>
+          </a:p>
+        </p:txBody>
+      </p:sp>
+      <p:sp>
+        <p:nvSpPr>
+          <p:cNvPr id="220" name="OTLSHAPE_SLT_491a5d7cd2c9422f9fa3c6a3b66fa0db_EndDate"/>
+          <p:cNvSpPr txBox="1"/>
+          <p:nvPr>
+            <p:custDataLst>
+              <p:tags r:id="rId117"/>
+            </p:custDataLst>
+          </p:nvPr>
+        </p:nvSpPr>
+        <p:spPr>
+          <a:xfrm>
+            <a:off x="5856656" y="6293443"/>
+            <a:ext cx="330200" cy="155025"/>
+          </a:xfrm>
+          <a:prstGeom prst="rect">
+            <a:avLst/>
+          </a:prstGeom>
+          <a:noFill/>
+        </p:spPr>
+        <p:txBody>
+          <a:bodyPr vert="horz" wrap="square" lIns="0" tIns="0" rIns="0" bIns="0" rtlCol="0" anchor="ctr" anchorCtr="0">
+            <a:spAutoFit/>
+          </a:bodyPr>
+          <a:lstStyle/>
+          <a:p>
+            <a:pPr algn="ctr"/>
+            <a:r>
+              <a:rPr lang="en-US" sz="1000" spc="-8" smtClean="0">
+                <a:solidFill>
+                  <a:schemeClr val="dk2"/>
+                </a:solidFill>
+                <a:latin typeface="Calibri" panose="020F0502020204030204" pitchFamily="34" charset="0"/>
+              </a:rPr>
+              <a:t>May 8</a:t>
+            </a:r>
+            <a:endParaRPr lang="en-US" sz="1000" spc="-8">
+              <a:solidFill>
+                <a:schemeClr val="dk2"/>
+              </a:solidFill>
+              <a:latin typeface="Calibri" panose="020F0502020204030204" pitchFamily="34" charset="0"/>
+            </a:endParaRPr>
+          </a:p>
+        </p:txBody>
+      </p:sp>
+      <p:sp>
+        <p:nvSpPr>
+          <p:cNvPr id="221" name="OTLSHAPE_SLT_491a5d7cd2c9422f9fa3c6a3b66fa0db_Title"/>
+          <p:cNvSpPr txBox="1"/>
+          <p:nvPr>
+            <p:custDataLst>
+              <p:tags r:id="rId118"/>
+            </p:custDataLst>
+          </p:nvPr>
+        </p:nvSpPr>
+        <p:spPr>
+          <a:xfrm>
+            <a:off x="3985756" y="6285696"/>
+            <a:ext cx="965200" cy="170519"/>
+          </a:xfrm>
+          <a:prstGeom prst="rect">
+            <a:avLst/>
+          </a:prstGeom>
+          <a:noFill/>
+        </p:spPr>
+        <p:txBody>
+          <a:bodyPr vert="horz" wrap="square" lIns="0" tIns="0" rIns="0" bIns="0" rtlCol="0" anchor="ctr" anchorCtr="0">
+            <a:spAutoFit/>
+          </a:bodyPr>
+          <a:lstStyle/>
+          <a:p>
+            <a:pPr algn="ctr"/>
+            <a:r>
+              <a:rPr lang="en-US" sz="1100" b="1" spc="-6" smtClean="0">
+                <a:solidFill>
+                  <a:schemeClr val="dk1"/>
+                </a:solidFill>
+                <a:latin typeface="Calibri" panose="020F0502020204030204" pitchFamily="34" charset="0"/>
+              </a:rPr>
+              <a:t>User Home Page</a:t>
+            </a:r>
+            <a:endParaRPr lang="en-US" sz="1100" b="1" spc="-6">
+              <a:solidFill>
+                <a:schemeClr val="dk1"/>
+              </a:solidFill>
+              <a:latin typeface="Calibri" panose="020F0502020204030204" pitchFamily="34" charset="0"/>
+            </a:endParaRPr>
+          </a:p>
+        </p:txBody>
+      </p:sp>
+      <p:sp>
+        <p:nvSpPr>
+          <p:cNvPr id="224" name="OTLSHAPE_SLT_196e461fa3b94bed8bc56dc99e676deb_Duration" hidden="1"/>
+          <p:cNvSpPr txBox="1"/>
+          <p:nvPr>
+            <p:custDataLst>
+              <p:tags r:id="rId119"/>
+            </p:custDataLst>
+          </p:nvPr>
+        </p:nvSpPr>
+        <p:spPr>
+          <a:xfrm>
+            <a:off x="12700" y="-233521"/>
+            <a:ext cx="330200" cy="165100"/>
+          </a:xfrm>
+          <a:prstGeom prst="rect">
+            <a:avLst/>
+          </a:prstGeom>
+          <a:noFill/>
+        </p:spPr>
+        <p:txBody>
+          <a:bodyPr vert="horz" wrap="square" lIns="0" tIns="0" rIns="0" bIns="0" rtlCol="0" anchor="ctr" anchorCtr="0">
+            <a:spAutoFit/>
+          </a:bodyPr>
+          <a:lstStyle/>
+          <a:p>
+            <a:r>
+              <a:rPr lang="en-US" sz="1000" smtClean="0">
+                <a:solidFill>
+                  <a:schemeClr val="accent2"/>
+                </a:solidFill>
+                <a:latin typeface="Calibri" panose="020F0502020204030204" pitchFamily="34" charset="0"/>
+              </a:rPr>
+              <a:t>5 days</a:t>
+            </a:r>
+            <a:endParaRPr lang="en-US" sz="1000">
+              <a:solidFill>
+                <a:schemeClr val="accent2"/>
+              </a:solidFill>
+              <a:latin typeface="Calibri" panose="020F0502020204030204" pitchFamily="34" charset="0"/>
+            </a:endParaRPr>
+          </a:p>
+        </p:txBody>
+      </p:sp>
+      <p:sp>
+        <p:nvSpPr>
+          <p:cNvPr id="225" name="OTLSHAPE_SLT_196e461fa3b94bed8bc56dc99e676deb_TextPercentage" hidden="1"/>
+          <p:cNvSpPr txBox="1"/>
+          <p:nvPr>
+            <p:custDataLst>
+              <p:tags r:id="rId120"/>
+            </p:custDataLst>
+          </p:nvPr>
+        </p:nvSpPr>
+        <p:spPr>
+          <a:xfrm>
+            <a:off x="12700" y="74255"/>
+            <a:ext cx="0" cy="0"/>
+          </a:xfrm>
+          <a:prstGeom prst="rect">
+            <a:avLst/>
+          </a:prstGeom>
+          <a:noFill/>
+        </p:spPr>
+        <p:txBody>
+          <a:bodyPr vert="horz" wrap="square" lIns="0" tIns="0" rIns="0" bIns="0" rtlCol="0" anchor="ctr" anchorCtr="0">
+            <a:spAutoFit/>
+          </a:bodyPr>
+          <a:lstStyle/>
+          <a:p>
+            <a:endParaRPr lang="en-US" sz="1000">
+              <a:solidFill>
+                <a:schemeClr val="accent2"/>
+              </a:solidFill>
+              <a:latin typeface="Calibri" panose="020F0502020204030204" pitchFamily="34" charset="0"/>
+            </a:endParaRPr>
+          </a:p>
+        </p:txBody>
+      </p:sp>
+      <p:sp>
+        <p:nvSpPr>
+          <p:cNvPr id="226" name="OTLSHAPE_SLT_196e461fa3b94bed8bc56dc99e676deb_JoinedDate" hidden="1"/>
+          <p:cNvSpPr txBox="1"/>
+          <p:nvPr>
+            <p:custDataLst>
+              <p:tags r:id="rId121"/>
+            </p:custDataLst>
+          </p:nvPr>
+        </p:nvSpPr>
+        <p:spPr>
+          <a:xfrm>
+            <a:off x="12700" y="74255"/>
+            <a:ext cx="0" cy="0"/>
+          </a:xfrm>
+          <a:prstGeom prst="rect">
+            <a:avLst/>
+          </a:prstGeom>
+          <a:noFill/>
+        </p:spPr>
+        <p:txBody>
+          <a:bodyPr vert="horz" wrap="square" lIns="0" tIns="0" rIns="0" bIns="0" rtlCol="0" anchor="ctr" anchorCtr="0">
+            <a:spAutoFit/>
+          </a:bodyPr>
+          <a:lstStyle/>
+          <a:p>
+            <a:pPr algn="ctr"/>
+            <a:endParaRPr lang="en-US" sz="1000">
+              <a:solidFill>
+                <a:schemeClr val="dk2"/>
+              </a:solidFill>
+              <a:latin typeface="Calibri" panose="020F0502020204030204" pitchFamily="34" charset="0"/>
+            </a:endParaRPr>
+          </a:p>
+        </p:txBody>
+      </p:sp>
+      <p:sp>
+        <p:nvSpPr>
+          <p:cNvPr id="227" name="OTLSHAPE_SLT_196e461fa3b94bed8bc56dc99e676deb_StartDate"/>
+          <p:cNvSpPr txBox="1"/>
+          <p:nvPr>
+            <p:custDataLst>
+              <p:tags r:id="rId122"/>
+            </p:custDataLst>
+          </p:nvPr>
+        </p:nvSpPr>
+        <p:spPr>
+          <a:xfrm>
+            <a:off x="5438051" y="6560143"/>
+            <a:ext cx="330200" cy="155025"/>
+          </a:xfrm>
+          <a:prstGeom prst="rect">
+            <a:avLst/>
+          </a:prstGeom>
+          <a:noFill/>
+        </p:spPr>
+        <p:txBody>
+          <a:bodyPr vert="horz" wrap="square" lIns="0" tIns="0" rIns="0" bIns="0" rtlCol="0" anchor="ctr" anchorCtr="0">
+            <a:spAutoFit/>
+          </a:bodyPr>
+          <a:lstStyle/>
+          <a:p>
+            <a:pPr algn="ctr"/>
+            <a:r>
+              <a:rPr lang="en-US" sz="1000" spc="-8" smtClean="0">
+                <a:solidFill>
+                  <a:schemeClr val="dk2"/>
+                </a:solidFill>
+                <a:latin typeface="Calibri" panose="020F0502020204030204" pitchFamily="34" charset="0"/>
+              </a:rPr>
+              <a:t>May 9</a:t>
+            </a:r>
+            <a:endParaRPr lang="en-US" sz="1000" spc="-8">
+              <a:solidFill>
+                <a:schemeClr val="dk2"/>
+              </a:solidFill>
+              <a:latin typeface="Calibri" panose="020F0502020204030204" pitchFamily="34" charset="0"/>
+            </a:endParaRPr>
+          </a:p>
+        </p:txBody>
+      </p:sp>
+      <p:sp>
+        <p:nvSpPr>
+          <p:cNvPr id="228" name="OTLSHAPE_SLT_196e461fa3b94bed8bc56dc99e676deb_EndDate"/>
+          <p:cNvSpPr txBox="1"/>
+          <p:nvPr>
+            <p:custDataLst>
+              <p:tags r:id="rId123"/>
+            </p:custDataLst>
+          </p:nvPr>
+        </p:nvSpPr>
+        <p:spPr>
+          <a:xfrm>
+            <a:off x="10336628" y="6560143"/>
+            <a:ext cx="393700" cy="155025"/>
+          </a:xfrm>
+          <a:prstGeom prst="rect">
+            <a:avLst/>
+          </a:prstGeom>
+          <a:noFill/>
+        </p:spPr>
+        <p:txBody>
+          <a:bodyPr vert="horz" wrap="square" lIns="0" tIns="0" rIns="0" bIns="0" rtlCol="0" anchor="ctr" anchorCtr="0">
+            <a:spAutoFit/>
+          </a:bodyPr>
+          <a:lstStyle/>
+          <a:p>
+            <a:pPr algn="ctr"/>
+            <a:r>
+              <a:rPr lang="en-US" sz="1000" spc="-8" smtClean="0">
+                <a:solidFill>
+                  <a:schemeClr val="dk2"/>
+                </a:solidFill>
+                <a:latin typeface="Calibri" panose="020F0502020204030204" pitchFamily="34" charset="0"/>
+              </a:rPr>
+              <a:t>May 13</a:t>
+            </a:r>
+            <a:endParaRPr lang="en-US" sz="1000" spc="-8">
+              <a:solidFill>
+                <a:schemeClr val="dk2"/>
+              </a:solidFill>
+              <a:latin typeface="Calibri" panose="020F0502020204030204" pitchFamily="34" charset="0"/>
+            </a:endParaRPr>
+          </a:p>
+        </p:txBody>
+      </p:sp>
+      <p:sp>
+        <p:nvSpPr>
+          <p:cNvPr id="229" name="OTLSHAPE_SLT_196e461fa3b94bed8bc56dc99e676deb_Title"/>
+          <p:cNvSpPr txBox="1"/>
+          <p:nvPr>
+            <p:custDataLst>
+              <p:tags r:id="rId124"/>
+            </p:custDataLst>
+          </p:nvPr>
+        </p:nvSpPr>
+        <p:spPr>
+          <a:xfrm>
+            <a:off x="7590372" y="6552395"/>
+            <a:ext cx="914400" cy="170519"/>
+          </a:xfrm>
+          <a:prstGeom prst="rect">
+            <a:avLst/>
+          </a:prstGeom>
+          <a:noFill/>
+        </p:spPr>
+        <p:txBody>
+          <a:bodyPr vert="horz" wrap="square" lIns="0" tIns="0" rIns="0" bIns="0" rtlCol="0" anchor="ctr" anchorCtr="0">
+            <a:spAutoFit/>
+          </a:bodyPr>
+          <a:lstStyle/>
+          <a:p>
+            <a:pPr algn="ctr"/>
+            <a:r>
+              <a:rPr lang="en-US" sz="1100" b="1" spc="-6" smtClean="0">
+                <a:solidFill>
+                  <a:schemeClr val="dk1"/>
+                </a:solidFill>
+                <a:latin typeface="Calibri" panose="020F0502020204030204" pitchFamily="34" charset="0"/>
+              </a:rPr>
+              <a:t>Car Reservation</a:t>
+            </a:r>
+            <a:endParaRPr lang="en-US" sz="1100" b="1" spc="-6">
+              <a:solidFill>
+                <a:schemeClr val="dk1"/>
+              </a:solidFill>
+              <a:latin typeface="Calibri" panose="020F0502020204030204" pitchFamily="34" charset="0"/>
+            </a:endParaRPr>
+          </a:p>
+        </p:txBody>
+      </p:sp>
+      <p:cxnSp>
+        <p:nvCxnSpPr>
+          <p:cNvPr id="9" name="OTLSHAPE_TB_00000000000000000000000000000000_Separator1"/>
+          <p:cNvCxnSpPr/>
+          <p:nvPr>
+            <p:custDataLst>
+              <p:tags r:id="rId125"/>
+            </p:custDataLst>
+          </p:nvPr>
+        </p:nvCxnSpPr>
+        <p:spPr>
+          <a:xfrm>
+            <a:off x="3118484" y="3111500"/>
+            <a:ext cx="0" cy="254000"/>
+          </a:xfrm>
+          <a:prstGeom prst="line">
+            <a:avLst/>
+          </a:prstGeom>
+          <a:ln w="9525" cap="flat" cmpd="sng" algn="ctr">
+            <a:solidFill>
+              <a:schemeClr val="lt1">
+                <a:alpha val="29804"/>
+              </a:schemeClr>
+            </a:solidFill>
+            <a:prstDash val="solid"/>
+            <a:miter lim="800000"/>
+            <a:headEnd type="none" w="med" len="med"/>
+            <a:tailEnd type="none" w="med" len="med"/>
+          </a:ln>
+        </p:spPr>
+        <p:style>
+          <a:lnRef idx="1">
+            <a:schemeClr val="accent1"/>
+          </a:lnRef>
+          <a:fillRef idx="0">
+            <a:schemeClr val="accent1"/>
+          </a:fillRef>
+          <a:effectRef idx="0">
+            <a:schemeClr val="accent1"/>
+          </a:effectRef>
+          <a:fontRef idx="minor">
+            <a:schemeClr val="tx1"/>
+          </a:fontRef>
+        </p:style>
+      </p:cxnSp>
+      <p:cxnSp>
+        <p:nvCxnSpPr>
+          <p:cNvPr id="106" name="OTLSHAPE_TB_00000000000000000000000000000000_Separator2"/>
+          <p:cNvCxnSpPr/>
+          <p:nvPr>
+            <p:custDataLst>
+              <p:tags r:id="rId126"/>
+            </p:custDataLst>
+          </p:nvPr>
+        </p:nvCxnSpPr>
+        <p:spPr>
+          <a:xfrm>
+            <a:off x="4014479" y="3111500"/>
+            <a:ext cx="0" cy="254000"/>
+          </a:xfrm>
+          <a:prstGeom prst="line">
+            <a:avLst/>
+          </a:prstGeom>
+          <a:ln w="9525" cap="flat" cmpd="sng" algn="ctr">
+            <a:solidFill>
+              <a:schemeClr val="lt1">
+                <a:alpha val="29804"/>
+              </a:schemeClr>
+            </a:solidFill>
+            <a:prstDash val="solid"/>
+            <a:miter lim="800000"/>
+            <a:headEnd type="none" w="med" len="med"/>
+            <a:tailEnd type="none" w="med" len="med"/>
+          </a:ln>
+        </p:spPr>
+        <p:style>
+          <a:lnRef idx="1">
+            <a:schemeClr val="accent1"/>
+          </a:lnRef>
+          <a:fillRef idx="0">
+            <a:schemeClr val="accent1"/>
+          </a:fillRef>
+          <a:effectRef idx="0">
+            <a:schemeClr val="accent1"/>
+          </a:effectRef>
+          <a:fontRef idx="minor">
+            <a:schemeClr val="tx1"/>
+          </a:fontRef>
+        </p:style>
+      </p:cxnSp>
+      <p:cxnSp>
+        <p:nvCxnSpPr>
+          <p:cNvPr id="23" name="OTLSHAPE_TB_00000000000000000000000000000000_Separator3"/>
+          <p:cNvCxnSpPr/>
+          <p:nvPr>
+            <p:custDataLst>
+              <p:tags r:id="rId127"/>
+            </p:custDataLst>
+          </p:nvPr>
+        </p:nvCxnSpPr>
+        <p:spPr>
+          <a:xfrm>
+            <a:off x="4910473" y="3111500"/>
+            <a:ext cx="0" cy="254000"/>
+          </a:xfrm>
+          <a:prstGeom prst="line">
+            <a:avLst/>
+          </a:prstGeom>
+          <a:ln w="9525" cap="flat" cmpd="sng" algn="ctr">
+            <a:solidFill>
+              <a:schemeClr val="lt1">
+                <a:alpha val="29804"/>
+              </a:schemeClr>
+            </a:solidFill>
+            <a:prstDash val="solid"/>
+            <a:miter lim="800000"/>
+            <a:headEnd type="none" w="med" len="med"/>
+            <a:tailEnd type="none" w="med" len="med"/>
+          </a:ln>
+        </p:spPr>
+        <p:style>
+          <a:lnRef idx="1">
+            <a:schemeClr val="accent1"/>
+          </a:lnRef>
+          <a:fillRef idx="0">
+            <a:schemeClr val="accent1"/>
+          </a:fillRef>
+          <a:effectRef idx="0">
+            <a:schemeClr val="accent1"/>
+          </a:effectRef>
+          <a:fontRef idx="minor">
+            <a:schemeClr val="tx1"/>
+          </a:fontRef>
+        </p:style>
+      </p:cxnSp>
+      <p:cxnSp>
+        <p:nvCxnSpPr>
+          <p:cNvPr id="73" name="OTLSHAPE_TB_00000000000000000000000000000000_Separator4"/>
+          <p:cNvCxnSpPr/>
+          <p:nvPr>
+            <p:custDataLst>
+              <p:tags r:id="rId128"/>
+            </p:custDataLst>
+          </p:nvPr>
+        </p:nvCxnSpPr>
+        <p:spPr>
+          <a:xfrm>
+            <a:off x="5806468" y="3111500"/>
+            <a:ext cx="0" cy="254000"/>
+          </a:xfrm>
+          <a:prstGeom prst="line">
+            <a:avLst/>
+          </a:prstGeom>
+          <a:ln w="9525" cap="flat" cmpd="sng" algn="ctr">
+            <a:solidFill>
+              <a:schemeClr val="lt1">
+                <a:alpha val="29804"/>
+              </a:schemeClr>
+            </a:solidFill>
+            <a:prstDash val="solid"/>
+            <a:miter lim="800000"/>
+            <a:headEnd type="none" w="med" len="med"/>
+            <a:tailEnd type="none" w="med" len="med"/>
+          </a:ln>
+        </p:spPr>
+        <p:style>
+          <a:lnRef idx="1">
+            <a:schemeClr val="accent1"/>
+          </a:lnRef>
+          <a:fillRef idx="0">
+            <a:schemeClr val="accent1"/>
+          </a:fillRef>
+          <a:effectRef idx="0">
+            <a:schemeClr val="accent1"/>
+          </a:effectRef>
+          <a:fontRef idx="minor">
+            <a:schemeClr val="tx1"/>
+          </a:fontRef>
+        </p:style>
+      </p:cxnSp>
+      <p:cxnSp>
+        <p:nvCxnSpPr>
+          <p:cNvPr id="84" name="OTLSHAPE_TB_00000000000000000000000000000000_Separator5"/>
+          <p:cNvCxnSpPr/>
+          <p:nvPr>
+            <p:custDataLst>
+              <p:tags r:id="rId129"/>
+            </p:custDataLst>
+          </p:nvPr>
+        </p:nvCxnSpPr>
+        <p:spPr>
+          <a:xfrm>
+            <a:off x="6702462" y="3111500"/>
+            <a:ext cx="0" cy="254000"/>
+          </a:xfrm>
+          <a:prstGeom prst="line">
+            <a:avLst/>
+          </a:prstGeom>
+          <a:ln w="9525" cap="flat" cmpd="sng" algn="ctr">
+            <a:solidFill>
+              <a:schemeClr val="lt1">
+                <a:alpha val="29804"/>
+              </a:schemeClr>
+            </a:solidFill>
+            <a:prstDash val="solid"/>
+            <a:miter lim="800000"/>
+            <a:headEnd type="none" w="med" len="med"/>
+            <a:tailEnd type="none" w="med" len="med"/>
+          </a:ln>
+        </p:spPr>
+        <p:style>
+          <a:lnRef idx="1">
+            <a:schemeClr val="accent1"/>
+          </a:lnRef>
+          <a:fillRef idx="0">
+            <a:schemeClr val="accent1"/>
+          </a:fillRef>
+          <a:effectRef idx="0">
+            <a:schemeClr val="accent1"/>
+          </a:effectRef>
+          <a:fontRef idx="minor">
+            <a:schemeClr val="tx1"/>
+          </a:fontRef>
+        </p:style>
+      </p:cxnSp>
+      <p:cxnSp>
+        <p:nvCxnSpPr>
+          <p:cNvPr id="92" name="OTLSHAPE_TB_00000000000000000000000000000000_Separator6"/>
+          <p:cNvCxnSpPr/>
+          <p:nvPr>
+            <p:custDataLst>
+              <p:tags r:id="rId130"/>
+            </p:custDataLst>
+          </p:nvPr>
+        </p:nvCxnSpPr>
+        <p:spPr>
+          <a:xfrm>
+            <a:off x="7598456" y="3111500"/>
+            <a:ext cx="0" cy="254000"/>
+          </a:xfrm>
+          <a:prstGeom prst="line">
+            <a:avLst/>
+          </a:prstGeom>
+          <a:ln w="9525" cap="flat" cmpd="sng" algn="ctr">
+            <a:solidFill>
+              <a:schemeClr val="lt1">
+                <a:alpha val="29804"/>
+              </a:schemeClr>
+            </a:solidFill>
+            <a:prstDash val="solid"/>
+            <a:miter lim="800000"/>
+            <a:headEnd type="none" w="med" len="med"/>
+            <a:tailEnd type="none" w="med" len="med"/>
+          </a:ln>
+        </p:spPr>
+        <p:style>
+          <a:lnRef idx="1">
+            <a:schemeClr val="accent1"/>
+          </a:lnRef>
+          <a:fillRef idx="0">
+            <a:schemeClr val="accent1"/>
+          </a:fillRef>
+          <a:effectRef idx="0">
+            <a:schemeClr val="accent1"/>
+          </a:effectRef>
+          <a:fontRef idx="minor">
+            <a:schemeClr val="tx1"/>
+          </a:fontRef>
+        </p:style>
+      </p:cxnSp>
+      <p:cxnSp>
+        <p:nvCxnSpPr>
+          <p:cNvPr id="94" name="OTLSHAPE_TB_00000000000000000000000000000000_Separator7"/>
+          <p:cNvCxnSpPr/>
+          <p:nvPr>
+            <p:custDataLst>
+              <p:tags r:id="rId131"/>
+            </p:custDataLst>
+          </p:nvPr>
+        </p:nvCxnSpPr>
+        <p:spPr>
+          <a:xfrm>
+            <a:off x="8494451" y="3111500"/>
+            <a:ext cx="0" cy="254000"/>
+          </a:xfrm>
+          <a:prstGeom prst="line">
+            <a:avLst/>
+          </a:prstGeom>
+          <a:ln w="9525" cap="flat" cmpd="sng" algn="ctr">
+            <a:solidFill>
+              <a:schemeClr val="lt1">
+                <a:alpha val="29804"/>
+              </a:schemeClr>
+            </a:solidFill>
+            <a:prstDash val="solid"/>
+            <a:miter lim="800000"/>
+            <a:headEnd type="none" w="med" len="med"/>
+            <a:tailEnd type="none" w="med" len="med"/>
+          </a:ln>
+        </p:spPr>
+        <p:style>
+          <a:lnRef idx="1">
+            <a:schemeClr val="accent1"/>
+          </a:lnRef>
+          <a:fillRef idx="0">
+            <a:schemeClr val="accent1"/>
+          </a:fillRef>
+          <a:effectRef idx="0">
+            <a:schemeClr val="accent1"/>
+          </a:effectRef>
+          <a:fontRef idx="minor">
+            <a:schemeClr val="tx1"/>
+          </a:fontRef>
+        </p:style>
+      </p:cxnSp>
+      <p:cxnSp>
+        <p:nvCxnSpPr>
+          <p:cNvPr id="96" name="OTLSHAPE_TB_00000000000000000000000000000000_Separator8"/>
+          <p:cNvCxnSpPr/>
+          <p:nvPr>
+            <p:custDataLst>
+              <p:tags r:id="rId132"/>
+            </p:custDataLst>
+          </p:nvPr>
+        </p:nvCxnSpPr>
+        <p:spPr>
+          <a:xfrm>
+            <a:off x="9390445" y="3111500"/>
+            <a:ext cx="0" cy="254000"/>
+          </a:xfrm>
+          <a:prstGeom prst="line">
+            <a:avLst/>
+          </a:prstGeom>
+          <a:ln w="9525" cap="flat" cmpd="sng" algn="ctr">
+            <a:solidFill>
+              <a:schemeClr val="lt1">
+                <a:alpha val="29804"/>
+              </a:schemeClr>
+            </a:solidFill>
+            <a:prstDash val="solid"/>
+            <a:miter lim="800000"/>
+            <a:headEnd type="none" w="med" len="med"/>
+            <a:tailEnd type="none" w="med" len="med"/>
+          </a:ln>
+        </p:spPr>
+        <p:style>
+          <a:lnRef idx="1">
+            <a:schemeClr val="accent1"/>
+          </a:lnRef>
+          <a:fillRef idx="0">
+            <a:schemeClr val="accent1"/>
+          </a:fillRef>
+          <a:effectRef idx="0">
+            <a:schemeClr val="accent1"/>
+          </a:effectRef>
+          <a:fontRef idx="minor">
+            <a:schemeClr val="tx1"/>
+          </a:fontRef>
+        </p:style>
+      </p:cxnSp>
+      <p:cxnSp>
+        <p:nvCxnSpPr>
+          <p:cNvPr id="98" name="OTLSHAPE_TB_00000000000000000000000000000000_Separator9"/>
+          <p:cNvCxnSpPr/>
+          <p:nvPr>
+            <p:custDataLst>
+              <p:tags r:id="rId133"/>
+            </p:custDataLst>
+          </p:nvPr>
+        </p:nvCxnSpPr>
+        <p:spPr>
+          <a:xfrm>
+            <a:off x="10286440" y="3111500"/>
+            <a:ext cx="0" cy="254000"/>
+          </a:xfrm>
+          <a:prstGeom prst="line">
+            <a:avLst/>
+          </a:prstGeom>
+          <a:ln w="9525" cap="flat" cmpd="sng" algn="ctr">
+            <a:solidFill>
+              <a:schemeClr val="lt1">
+                <a:alpha val="29804"/>
+              </a:schemeClr>
+            </a:solidFill>
+            <a:prstDash val="solid"/>
+            <a:miter lim="800000"/>
+            <a:headEnd type="none" w="med" len="med"/>
+            <a:tailEnd type="none" w="med" len="med"/>
+          </a:ln>
+        </p:spPr>
+        <p:style>
+          <a:lnRef idx="1">
+            <a:schemeClr val="accent1"/>
+          </a:lnRef>
+          <a:fillRef idx="0">
+            <a:schemeClr val="accent1"/>
+          </a:fillRef>
+          <a:effectRef idx="0">
+            <a:schemeClr val="accent1"/>
+          </a:effectRef>
+          <a:fontRef idx="minor">
+            <a:schemeClr val="tx1"/>
+          </a:fontRef>
+        </p:style>
+      </p:cxnSp>
+      <p:sp>
+        <p:nvSpPr>
+          <p:cNvPr id="89" name="TextBox 88"/>
+          <p:cNvSpPr txBox="1"/>
+          <p:nvPr/>
+        </p:nvSpPr>
+        <p:spPr>
+          <a:xfrm>
+            <a:off x="5398663" y="7507040"/>
+            <a:ext cx="339941" cy="273446"/>
+          </a:xfrm>
+          <a:prstGeom prst="rect">
+            <a:avLst/>
+          </a:prstGeom>
+          <a:solidFill>
+            <a:schemeClr val="bg1"/>
+          </a:solidFill>
+          <a:ln>
+            <a:noFill/>
+          </a:ln>
+        </p:spPr>
+        <p:txBody>
+          <a:bodyPr wrap="square" rtlCol="0">
+            <a:spAutoFit/>
+          </a:bodyPr>
+          <a:lstStyle/>
+          <a:p>
+            <a:endParaRPr lang="en-US" dirty="0"/>
+          </a:p>
+        </p:txBody>
+      </p:sp>
+      <p:sp>
+        <p:nvSpPr>
+          <p:cNvPr id="157" name="TextBox 156"/>
+          <p:cNvSpPr txBox="1"/>
+          <p:nvPr/>
+        </p:nvSpPr>
+        <p:spPr>
+          <a:xfrm>
+            <a:off x="11141845" y="7526090"/>
+            <a:ext cx="339941" cy="273446"/>
+          </a:xfrm>
+          <a:prstGeom prst="rect">
+            <a:avLst/>
+          </a:prstGeom>
+          <a:solidFill>
+            <a:schemeClr val="bg1"/>
+          </a:solidFill>
+          <a:ln>
+            <a:noFill/>
+          </a:ln>
+        </p:spPr>
+        <p:txBody>
+          <a:bodyPr wrap="square" rtlCol="0">
+            <a:spAutoFit/>
+          </a:bodyPr>
+          <a:lstStyle/>
+          <a:p>
+            <a:endParaRPr lang="en-US" dirty="0"/>
+          </a:p>
+        </p:txBody>
+      </p:sp>
+      <p:sp>
+        <p:nvSpPr>
+          <p:cNvPr id="158" name="TextBox 157"/>
+          <p:cNvSpPr txBox="1"/>
+          <p:nvPr/>
+        </p:nvSpPr>
+        <p:spPr>
+          <a:xfrm>
+            <a:off x="10645782" y="8126088"/>
+            <a:ext cx="339941" cy="273446"/>
+          </a:xfrm>
+          <a:prstGeom prst="rect">
+            <a:avLst/>
+          </a:prstGeom>
+          <a:solidFill>
+            <a:schemeClr val="bg1"/>
+          </a:solidFill>
+          <a:ln>
+            <a:noFill/>
+          </a:ln>
+        </p:spPr>
+        <p:txBody>
+          <a:bodyPr wrap="square" rtlCol="0">
+            <a:spAutoFit/>
+          </a:bodyPr>
+          <a:lstStyle/>
+          <a:p>
+            <a:endParaRPr lang="en-US" dirty="0"/>
+          </a:p>
+        </p:txBody>
+      </p:sp>
+      <p:sp>
+        <p:nvSpPr>
+          <p:cNvPr id="90" name="TextBox 89"/>
+          <p:cNvSpPr txBox="1"/>
+          <p:nvPr/>
+        </p:nvSpPr>
+        <p:spPr>
+          <a:xfrm>
+            <a:off x="7089605" y="7150804"/>
+            <a:ext cx="1916858" cy="369332"/>
+          </a:xfrm>
+          <a:prstGeom prst="rect">
+            <a:avLst/>
+          </a:prstGeom>
+          <a:noFill/>
+        </p:spPr>
+        <p:txBody>
+          <a:bodyPr wrap="square" rtlCol="0">
+            <a:spAutoFit/>
+          </a:bodyPr>
+          <a:lstStyle/>
+          <a:p>
+            <a:r>
+              <a:rPr lang="en-US" dirty="0" smtClean="0"/>
+              <a:t>To be determined.</a:t>
+            </a:r>
+            <a:endParaRPr lang="en-US" dirty="0"/>
+          </a:p>
+        </p:txBody>
+      </p:sp>
+    </p:spTree>
+    <p:custDataLst>
+      <p:tags r:id="rId1"/>
+    </p:custDataLst>
+    <p:extLst>
+      <p:ext uri="{BB962C8B-B14F-4D97-AF65-F5344CB8AC3E}">
+        <p14:creationId xmlns:p14="http://schemas.microsoft.com/office/powerpoint/2010/main" val="1187782545"/>
+      </p:ext>
+    </p:extLst>
+  </p:cSld>
+  <p:clrMapOvr>
+    <a:masterClrMapping/>
+  </p:clrMapOvr>
+  <p:timing>
+    <p:tnLst>
+      <p:par>
+        <p:cTn id="1" dur="indefinite" restart="never" nodeType="tmRoot"/>
+      </p:par>
+    </p:tnLst>
+  </p:timing>
+</p:sld>
+</file>
+
 <file path=ppt/tags/tag1.xml><?xml version="1.0" encoding="utf-8"?>
 <p:tagLst xmlns:a="http://schemas.openxmlformats.org/drawingml/2006/main" xmlns:r="http://schemas.openxmlformats.org/officeDocument/2006/relationships" xmlns:p="http://schemas.openxmlformats.org/presentationml/2006/main">
   <p:tag name="__PART_0" val="eyIkaWQiOiIxIiwiX3N3aW1sYW5lc1YyIjpbeyIkaWQiOiIyIiwiX2FjdGl2aXRpZXMiOlt7IiRpZCI6IjMiLCJfcm93cyI6W3siJGlkIjoiNCIsIl90YXNrcyI6W3siJGlkIjoiNSIsIl9hdHRhY2hlZE1pbGVzdG9uZXMiOltdLCJUYXNrRGVmaW5pdGlvbiI6eyIkaWQiOiI2IiwiR3JvdXBOYW1lIjpudWxsLCJTdGFydERhdGUiOiIyMDIyLTA0LTA5VDAwOjAwOjAwIiwiRW5kRGF0ZSI6IjIwMjItMDQtMTVUMjM6NTk6MDAiLCJQZXJjZW50YWdlQ29tcGxldGUiOm51bGwsIlN0eWxlIjp7IiRpZCI6IjciLCJTaGFwZSI6MiwiU2hhcGVUaGlja25lc3MiOjEsIkR1cmF0aW9uRm9ybWF0IjowLCJJbmNsdWRlTm9uV29ya2luZ0RheXNJbkR1cmF0aW9uIjpmYWxzZSwiUGVyY2VudGFnZUNvbXBsZXRlU3R5bGUiOnsiJGlkIjoiOCIsIkZvbnRTZXR0aW5ncyI6eyIkaWQiOiI5IiwiRm9udFNpemUiOjEwLCJGb250TmFtZSI6IkNhbGlicmkiLCJJc0JvbGQiOmZhbHNlLCJJc0l0YWxpYyI6ZmFsc2UsIklzVW5kZXJsaW5lZCI6ZmFsc2UsIlBhcmVudFN0eWxlIjpudWxsfSwiQXV0b1NpemUiOjAsIkZvcmVncm91bmQiOnsiJGlkIjoiMTAiLCJDb2xvciI6eyIkaWQiOiIxMSIsIkEiOjI1NSwiUiI6MjM3LCJHIjoxMjUsIkIiOjQ5fX0sIk1heFdpZHRoIjoyMDAuMCwiTWF4SGVpZ2h0IjoiSW5maW5pdHkiLCJTbWFydEZvcmVncm91bmRJc0FjdGl2ZSI6ZmFsc2UsIkhvcml6b250YWxBbGlnbm1lbnQiOjAsIlZlcnRpY2FsQWxpZ25tZW50IjowLCJTbWFydEZvcmVncm91bmQiOm51bGwsIkJhY2tncm91bmRGaWxsVHlwZSI6MCwiTWFyZ2luIjp7IiRpZCI6IjEyIiwiVG9wIjowLjAsIkxlZnQiOjAuMCwiUmlnaHQiOjAuMCwiQm90dG9tIjowLjB9LCJQYWRkaW5nIjp7IiRpZCI6IjEzIiwiVG9wIjowLjAsIkxlZnQiOjAuMCwiUmlnaHQiOjAuMCwiQm90dG9tIjowLjB9LCJCYWNrZ3JvdW5kIjp7IiRpZCI6IjE0IiwiQ29sb3IiOnsiJGlkIjoiMTUiLCJBIjo4OSwiUiI6MCwiRyI6MCwiQiI6MH19LCJJc1Zpc2libGUiOnRydWUsIldpZHRoIjowLjAsIkhlaWdodCI6MC4wLCJCb3JkZXJTdHlsZSI6eyIkaWQiOiIxNiIsIkxpbmVDb2xvciI6bnVsbCwiTGluZVdlaWdodCI6MC4wLCJMaW5lVHlwZSI6MCwiUGFyZW50U3R5bGUiOm51bGx9LCJQYXJlbnRTdHlsZSI6bnVsbH0sIkR1cmF0aW9uU3R5bGUiOnsiJGlkIjoiMTciLCJGb250U2V0dGluZ3MiOnsiJGlkIjoiMTgiLCJGb250U2l6ZSI6MTAsIkZvbnROYW1lIjoiQ2FsaWJyaSIsIklzQm9sZCI6ZmFsc2UsIklzSXRhbGljIjpmYWxzZSwiSXNVbmRlcmxpbmVkIjpmYWxzZSwiUGFyZW50U3R5bGUiOm51bGx9LCJBdXRvU2l6ZSI6MCwiRm9yZWdyb3VuZCI6eyIkaWQiOiIxOSIsIkNvbG9yIjp7IiRpZCI6IjIwIiwiQSI6MjU1LCJSIjoyMzcsIkciOjEyNSwiQiI6NDl9fSwiTWF4V2lkdGgiOjIwMC4wLCJNYXhIZWlnaHQiOiJJbmZpbml0eSIsIlNtYXJ0Rm9yZWdyb3VuZElzQWN0aXZlIjpmYWxzZSwiSG9yaXpvbnRhbEFsaWdubWVudCI6MCwiVmVydGljYWxBbGlnbm1lbnQiOjAsIlNtYXJ0Rm9yZWdyb3VuZCI6bnVsbCwiQmFja2dyb3VuZEZpbGxUeXBlIjowLCJNYXJnaW4iOnsiJGlkIjoiMjEiLCJUb3AiOjAuMCwiTGVmdCI6MC4wLCJSaWdodCI6MC4wLCJCb3R0b20iOjAuMH0sIlBhZGRpbmciOnsiJGlkIjoiMjIiLCJUb3AiOjAuMCwiTGVmdCI6MC4wLCJSaWdodCI6MC4wLCJCb3R0b20iOjAuMH0sIkJhY2tncm91bmQiOnsiJGlkIjoiMjMiLCJDb2xvciI6eyIkcmVmIjoiMTUifX0sIklzVmlzaWJsZSI6dHJ1ZSwiV2lkdGgiOjAuMCwiSGVpZ2h0IjowLjAsIkJvcmRlclN0eWxlIjp7IiRpZCI6IjI0IiwiTGluZUNvbG9yIjpudWxsLCJMaW5lV2VpZ2h0IjowLjAsIkxpbmVUeXBlIjowLCJQYXJlbnRTdHlsZSI6bnVsbH0sIlBhcmVudFN0eWxlIjpudWxsfSwiSG9yaXpvbnRhbENvbm5lY3RvclN0eWxlIjp7IiRpZCI6IjI1IiwiTGluZUNvbG9yIjp7IiRpZCI6IjI2IiwiJHR5cGUiOiJOTFJFLkNvbW1vbi5Eb20uU29saWRDb2xvckJydXNoLCBOTFJFLkNvbW1vbiIsIkNvbG9yIjp7IiRpZCI6IjI3IiwiQSI6MjU1LCJSIjoyMDQsIkciOjIwNCwiQiI6MjA0fX0sIkxpbmVXZWlnaHQiOjEuMCwiTGluZVR5cGUiOjAsIlBhcmVudFN0eWxlIjpudWxsfSwiVmVydGljYWxDb25uZWN0b3JTdHlsZSI6eyIkaWQiOiIyOCIsIkxpbmVDb2xvciI6eyIkaWQiOiIyOSIsIiR0eXBlIjoiTkxSRS5Db21tb24uRG9tLlNvbGlkQ29sb3JCcnVzaCwgTkxSRS5Db21tb24iLCJDb2xvciI6eyIkaWQiOiIzMCIsIkEiOjI1NSwiUiI6MjA0LCJHIjoyMDQsIkIiOjIwNH19LCJMaW5lV2VpZ2h0IjowLjAsIkxpbmVUeXBlIjowLCJQYXJlbnRTdHlsZSI6bnVsbH0sIk1hcmdpbiI6bnVsbCwiU3RhcnREYXRlUG9zaXRpb24iOjMsIkVuZERhdGVQb3NpdGlvbiI6NCwiRGF0ZUlzVmlzaWJsZSI6dHJ1ZSwiVGl0bGVQb3NpdGlvbiI6MCwiRHVyYXRpb25Qb3NpdGlvbiI6NiwiUGVyY2VudGFnZUNvbXBsZXRlZFBvc2l0aW9uIjo2LCJTcGFjaW5nIjo1LCJJc0JlbG93VGltZWJhbmQiOnRydWUsIlBlcmNlbnRhZ2VDb21wbGV0ZVNoYXBlT3BhY2l0eSI6MzUsIlNoYXBlU3R5bGUiOnsiJGlkIjoiMzEiLCJNYXJnaW4iOnsiJGlkIjoiMzIiLCJUb3AiOjAuMCwiTGVmdCI6NC4wLCJSaWdodCI6NC4wLCJCb3R0b20iOjAuMH0sIlBhZGRpbmciOnsiJGlkIjoiMzMiLCJUb3AiOjAuMCwiTGVmdCI6MC4wLCJSaWdodCI6MC4wLCJCb3R0b20iOjAuMH0sIkJhY2tncm91bmQiOnsiJGlkIjoiMzQiLCJDb2xvciI6eyIkaWQiOiIzNSIsIkEiOjI1NSwiUiI6OTEsIkciOjE1NSwiQiI6MjEzfX0sIklzVmlzaWJsZSI6dHJ1ZSwiV2lkdGgiOjAuMCwiSGVpZ2h0IjoxNi4wLCJCb3JkZXJTdHlsZSI6eyIkaWQiOiIzNiIsIkxpbmVDb2xvciI6eyIkaWQiOiIzNyIsIiR0eXBlIjoiTkxSRS5Db21tb24uRG9tLlNvbGlkQ29sb3JCcnVzaCwgTkxSRS5Db21tb24iLCJDb2xvciI6eyIkaWQiOiIzOCIsIkEiOjI1NSwiUiI6MjU1LCJHIjowLCJCIjowfX0sIkxpbmVXZWlnaHQiOjAuMCwiTGluZVR5cGUiOjAsIlBhcmVudFN0eWxlIjpudWxsfSwiUGFyZW50U3R5bGUiOm51bGx9LCJUaXRsZVN0eWxlIjp7IiRpZCI6IjM5IiwiRm9udFNldHRpbmdzIjp7IiRpZCI6IjQwIiwiRm9udFNpemUiOjExLCJGb250TmFtZSI6IkNhbGlicmkiLCJJc0JvbGQiOnRydWUsIklzSXRhbGljIjpmYWxzZSwiSXNVbmRlcmxpbmVkIjpmYWxzZSwiUGFyZW50U3R5bGUiOm51bGx9LCJBdXRvU2l6ZSI6MCwiRm9yZWdyb3VuZCI6eyIkaWQiOiI0MSIsIkNvbG9yIjp7IiRpZCI6IjQyIiwiQSI6MjU1LCJSIjowLCJHIjowLCJCIjowfX0sIk1heFdpZHRoIjo3MjAuMCwiTWF4SGVpZ2h0IjoiSW5maW5pdHkiLCJTbWFydEZvcmVncm91bmRJc0FjdGl2ZSI6ZmFsc2UsIkhvcml6b250YWxBbGlnbm1lbnQiOjAsIlZlcnRpY2FsQWxpZ25tZW50IjowLCJTbWFydEZvcmVncm91bmQiOm51bGwsIkJhY2tncm91bmRGaWxsVHlwZSI6MCwiTWFyZ2luIjp7IiRpZCI6IjQzIiwiVG9wIjowLjAsIkxlZnQiOjAuMCwiUmlnaHQiOjAuMCwiQm90dG9tIjowLjB9LCJQYWRkaW5nIjp7IiRpZCI6IjQ0IiwiVG9wIjowLjAsIkxlZnQiOjAuMCwiUmlnaHQiOjAuMCwiQm90dG9tIjowLjB9LCJCYWNrZ3JvdW5kIjp7IiRpZCI6IjQ1IiwiQ29sb3IiOnsiJGlkIjoiNDYiLCJBIjowLCJSIjoyNTUsIkciOjI1NSwiQiI6MjU1fX0sIklzVmlzaWJsZSI6dHJ1ZSwiV2lkdGgiOjAuMCwiSGVpZ2h0IjowLjAsIkJvcmRlclN0eWxlIjp7IiRpZCI6IjQ3IiwiTGluZUNvbG9yIjpudWxsLCJMaW5lV2VpZ2h0IjowLjAsIkxpbmVUeXBlIjowLCJQYXJlbnRTdHlsZSI6bnVsbH0sIlBhcmVudFN0eWxlIjpudWxsfSwiRGF0ZVN0eWxlIjp7IiRpZCI6IjQ4IiwiRm9udFNldHRpbmdzIjp7IiRpZCI6IjQ5IiwiRm9udFNpemUiOjEwLCJGb250TmFtZSI6IkNhbGlicmkiLCJJc0JvbGQiOmZhbHNlLCJJc0l0YWxpYyI6ZmFsc2UsIklzVW5kZXJsaW5lZCI6ZmFsc2UsIlBhcmVudFN0eWxlIjpudWxsfSwiQXV0b1NpemUiOjAsIkZvcmVncm91bmQiOnsiJGlkIjoiNTAiLCJDb2xvciI6eyIkaWQiOiI1MSIsIkEiOjI1NSwiUiI6NjgsIkciOjg0LCJCIjoxMDZ9fSwiTWF4V2lkdGgiOjIwMC4wLCJNYXhIZWlnaHQiOiJJbmZpbml0eSIsIlNtYXJ0Rm9yZWdyb3VuZElzQWN0aXZlIjpmYWxzZSwiSG9yaXpvbnRhbEFsaWdubWVudCI6MSwiVmVydGljYWxBbGlnbm1lbnQiOjAsIlNtYXJ0Rm9yZWdyb3VuZCI6bnVsbCwiQmFja2dyb3VuZEZpbGxUeXBlIjowLCJNYXJnaW4iOnsiJGlkIjoiNTIiLCJUb3AiOjAuMCwiTGVmdCI6MC4wLCJSaWdodCI6MC4wLCJCb3R0b20iOjAuMH0sIlBhZGRpbmciOnsiJGlkIjoiNTMiLCJUb3AiOjAuMCwiTGVmdCI6MC4wLCJSaWdodCI6MC4wLCJCb3R0b20iOjAuMH0sIkJhY2tncm91bmQiOnsiJGlkIjoiNTQiLCJDb2xvciI6eyIkaWQiOiI1NSIsIkEiOjAsIlIiOjI1NSwiRyI6MjU1LCJCIjoyNTV9fSwiSXNWaXNpYmxlIjp0cnVlLCJXaWR0aCI6MC4wLCJIZWlnaHQiOjAuMCwiQm9yZGVyU3R5bGUiOnsiJGlkIjoiNTYiLCJMaW5lQ29sb3IiOm51bGwsIkxpbmVXZWlnaHQiOjAuMCwiTGluZVR5cGUiOjAsIlBhcmVudFN0eWxlIjpudWxsfSwiUGFyZW50U3R5bGUiOm51bGx9LCJEYXRlRm9ybWF0Ijp7IiRpZCI6IjU3IiwiRm9ybWF0U3RyaW5nIjoiTU1NIGQiLCJTZXBhcmF0b3IiOiIvIiwiVXNlSW50ZXJuYXRpb25hbERhdGVGb3JtYXQiOmZhbHNlLCJEYXRlSXNWaXNpYmxlIjp0cnVlLCJUaW1lSXNWaXNpYmxlIjpmYWxzZSwiSG91ckRpZ2l0cyI6MSwiQW1QbURlc2lnbmF0b3IiOjIsIlRyaW0wME1pbnV0ZXMiOmZhbHNlLCJMYXN0S25vd25WaXNpYmlsaXR5U3RhdGUiOm51bGx9LCJXZWVrTnVtYmVyaW5nIjp7IiRpZCI6IjU4IiwiRm9ybWF0IjowLCJJc1Zpc2libGUiOmZhbHNlLCJMYXN0S25vd25WaXNpYmlsaXR5U3RhdGUiOmZhbHNlfSwiSXNWaXNpYmxlIjp0cnVlLCJQYXJlbnRTdHlsZSI6bnVsbH0sIkluZGV4IjoxLCJTbWFydER1cmF0aW9uQWN0aXZhdGVkIjpmYWxzZSwiRGF0ZUZvcm1hdCI6eyIkcmVmIjoiNTcifSwiV2Vla051bWJlcmluZyI6eyIkaWQiOiI1OSIsIkZvcm1hdCI6MCwiSXNWaXNpYmxlIjpmYWxzZSwiTGFzdEtub3duVmlzaWJpbGl0eVN0YXRlIjpmYWxzZX0sIklkIjoiMGJjMTEwYzctYmJiOS00MjBiLTkzZGItOGM4ZDYzNTc5OGNjIiwiSW1wb3J0SWQiOm51bGwsIlRpdGxlIjoiUE1QIiwiTm90ZSI6bnVsbCwiSHlwZXJsaW5rIjp7IiRpZCI6IjYwIiwiQWRkcmVzcyI6IiIsIlN1YkFkZHJlc3MiOiIifSwiSXNDaGFuZ2VkIjpmYWxzZSwiSXNOZXciOmZhbHNlfX1dLCJfbWlsZXN0b25lcyI6W10sIklkIjoiMDAwMDAwMDAtMDAwMC0wMDAwLTAwMDAtMDAwMDAwMDAwMDAwIiwiSXNTaW5nbGVJdGVtUm93Ijp0cnVlfSx7IiRpZCI6IjYxIiwiX3Rhc2tzIjpbeyIkaWQiOiI2MiIsIl9hdHRhY2hlZE1pbGVzdG9uZXMiOltdLCJUYXNrRGVmaW5pdGlvbiI6eyIkaWQiOiI2MyIsIkdyb3VwTmFtZSI6bnVsbCwiU3RhcnREYXRlIjoiMjAyMi0wNC0wOVQwMDowMDowMFoiLCJFbmREYXRlIjoiMjAyMi0wNC0xMVQyMzo1OTowMFoiLCJQZXJjZW50YWdlQ29tcGxldGUiOm51bGwsIlN0eWxlIjp7IiRpZCI6IjY0IiwiU2hhcGUiOjEsIlNoYXBlVGhpY2tuZXNzIjoxLCJEdXJhdGlvbkZvcm1hdCI6MCwiSW5jbHVkZU5vbldvcmtpbmdEYXlzSW5EdXJhdGlvbiI6ZmFsc2UsIlBlcmNlbnRhZ2VDb21wbGV0ZVN0eWxlIjp7IiRpZCI6IjY1IiwiRm9udFNldHRpbmdzIjp7IiRpZCI6IjY2IiwiRm9udFNpemUiOjEwLCJGb250TmFtZSI6IkNhbGlicmkiLCJJc0JvbGQiOmZhbHNlLCJJc0l0YWxpYyI6ZmFsc2UsIklzVW5kZXJsaW5lZCI6ZmFsc2UsIlBhcmVudFN0eWxlIjpudWxsfSwiQXV0b1NpemUiOjAsIkZvcmVncm91bmQiOnsiJHJlZiI6IjEwIn0sIk1heFdpZHRoIjoyMDAuMCwiTWF4SGVpZ2h0IjoiSW5maW5pdHkiLCJTbWFydEZvcmVncm91bmRJc0FjdGl2ZSI6ZmFsc2UsIkhvcml6b250YWxBbGlnbm1lbnQiOjAsIlZlcnRpY2FsQWxpZ25tZW50IjowLCJTbWFydEZvcmVncm91bmQiOm51bGwsIkJhY2tncm91bmRGaWxsVHlwZSI6MCwiTWFyZ2luIjp7IiRpZCI6IjY3IiwiVG9wIjowLjAsIkxlZnQiOjAuMCwiUmlnaHQiOjAuMCwiQm90dG9tIjowLjB9LCJQYWRkaW5nIjp7IiRpZCI6IjY4IiwiVG9wIjowLjAsIkxlZnQiOjAuMCwiUmlnaHQiOjAuMCwiQm90dG9tIjowLjB9LCJCYWNrZ3JvdW5kIjp7IiRpZCI6IjY5IiwiQ29sb3IiOnsiJGlkIjoiNzAiLCJBIjo4OSwiUiI6MCwiRyI6MCwiQiI6MH19LCJJc1Zpc2libGUiOnRydWUsIldpZHRoIjowLjAsIkhlaWdodCI6MC4wLCJCb3JkZXJTdHlsZSI6eyIkaWQiOiI3MSIsIkxpbmVDb2xvciI6bnVsbCwiTGluZVdlaWdodCI6MC4wLCJMaW5lVHlwZSI6MCwiUGFyZW50U3R5bGUiOm51bGx9LCJQYXJlbnRTdHlsZSI6bnVsbH0sIkR1cmF0aW9uU3R5bGUiOnsiJGlkIjoiNzIiLCJGb250U2V0dGluZ3MiOnsiJGlkIjoiNzMiLCJGb250U2l6ZSI6MTAsIkZvbnROYW1lIjoiQ2FsaWJyaSIsIklzQm9sZCI6ZmFsc2UsIklzSXRhbGljIjpmYWxzZSwiSXNVbmRlcmxpbmVkIjpmYWxzZSwiUGFyZW50U3R5bGUiOm51bGx9LCJBdXRvU2l6ZSI6MCwiRm9yZWdyb3VuZCI6eyIkaWQiOiI3NCIsIkNvbG9yIjp7IiRpZCI6Ijc1IiwiQSI6MjU1LCJSIjoyMzcsIkciOjEyNSwiQiI6NDl9fSwiTWF4V2lkdGgiOjIwMC4wLCJNYXhIZWlnaHQiOiJJbmZpbml0eSIsIlNtYXJ0Rm9yZWdyb3VuZElzQWN0aXZlIjpmYWxzZSwiSG9yaXpvbnRhbEFsaWdubWVudCI6MCwiVmVydGljYWxBbGlnbm1lbnQiOjAsIlNtYXJ0Rm9yZWdyb3VuZCI6bnVsbCwiQmFja2dyb3VuZEZpbGxUeXBlIjowLCJNYXJnaW4iOnsiJGlkIjoiNzYiLCJUb3AiOjAuMCwiTGVmdCI6MC4wLCJSaWdodCI6MC4wLCJCb3R0b20iOjAuMH0sIlBhZGRpbmciOnsiJGlkIjoiNzciLCJUb3AiOjAuMCwiTGVmdCI6MC4wLCJSaWdodCI6MC4wLCJCb3R0b20iOjAuMH0sIkJhY2tncm91bmQiOnsiJGlkIjoiNzgiLCJDb2xvciI6eyIkcmVmIjoiNzAifX0sIklzVmlzaWJsZSI6dHJ1ZSwiV2lkdGgiOjAuMCwiSGVpZ2h0IjowLjAsIkJvcmRlclN0eWxlIjp7IiRpZCI6Ijc5IiwiTGluZUNvbG9yIjpudWxsLCJMaW5lV2VpZ2h0IjowLjAsIkxpbmVUeXBlIjowLCJQYXJlbnRTdHlsZSI6bnVsbH0sIlBhcmVudFN0eWxlIjpudWxsfSwiSG9yaXpvbnRhbENvbm5lY3RvclN0eWxlIjp7IiRpZCI6IjgwIiwiTGluZUNvbG9yIjp7IiRpZCI6IjgxIiwiJHR5cGUiOiJOTFJFLkNvbW1vbi5Eb20uU29saWRDb2xvckJydXNoLCBOTFJFLkNvbW1vbiIsIkNvbG9yIjp7IiRpZCI6IjgyIiwiQSI6MjU1LCJSIjoyMDQsIkciOjIwNCwiQiI6MjA0fX0sIkxpbmVXZWlnaHQiOjEuMCwiTGluZVR5cGUiOjAsIlBhcmVudFN0eWxlIjpudWxsfSwiVmVydGljYWxDb25uZWN0b3JTdHlsZSI6eyIkaWQiOiI4MyIsIkxpbmVDb2xvciI6eyIkaWQiOiI4NCIsIiR0eXBlIjoiTkxSRS5Db21tb24uRG9tLlNvbGlkQ29sb3JCcnVzaCwgTkxSRS5Db21tb24iLCJDb2xvciI6eyIkaWQiOiI4NSIsIkEiOjI1NSwiUiI6MjA0LCJHIjoyMDQsIkIiOjIwNH19LCJMaW5lV2VpZ2h0IjowLjAsIkxpbmVUeXBlIjowLCJQYXJlbnRTdHlsZSI6bnVsbH0sIk1hcmdpbiI6bnVsbCwiU3RhcnREYXRlUG9zaXRpb24iOjMsIkVuZERhdGVQb3NpdGlvbiI6NCwiRGF0ZUlzVmlzaWJsZSI6dHJ1ZSwiVGl0bGVQb3NpdGlvbiI6MCwiRHVyYXRpb25Qb3NpdGlvbiI6NiwiUGVyY2VudGFnZUNvbXBsZXRlZFBvc2l0aW9uIjo2LCJTcGFjaW5nIjo1LCJJc0JlbG93VGltZWJhbmQiOnRydWUsIlBlcmNlbnRhZ2VDb21wbGV0ZVNoYXBlT3BhY2l0eSI6MzUsIlNoYXBlU3R5bGUiOnsiJGlkIjoiODYiLCJNYXJnaW4iOnsiJGlkIjoiODciLCJUb3AiOjAuMCwiTGVmdCI6NC4wLCJSaWdodCI6NC4wLCJCb3R0b20iOjAuMH0sIlBhZGRpbmciOnsiJGlkIjoiODgiLCJUb3AiOjAuMCwiTGVmdCI6MC4wLCJSaWdodCI6MC4wLCJCb3R0b20iOjAuMH0sIkJhY2tncm91bmQiOnsiJGlkIjoiODkiLCJDb2xvciI6eyIkaWQiOiI5MCIsIkEiOjI1NSwiUiI6MjYsIkciOjE3MCwiQiI6NjZ9fSwiSXNWaXNpYmxlIjp0cnVlLCJXaWR0aCI6MC4wLCJIZWlnaHQiOjE2LjAsIkJvcmRlclN0eWxlIjp7IiRpZCI6IjkxIiwiTGluZUNvbG9yIjp7IiRpZCI6IjkyIiwiJHR5cGUiOiJOTFJFLkNvbW1vbi5Eb20uU29saWRDb2xvckJydXNoLCBOTFJFLkNvbW1vbiIsIkNvbG9yIjp7IiRpZCI6IjkzIiwiQSI6MjU1LCJSIjoyNTUsIkciOjAsIkIiOjB9fSwiTGluZVdlaWdodCI6MC4wLCJMaW5lVHlwZSI6MCwiUGFyZW50U3R5bGUiOm51bGx9LCJQYXJlbnRTdHlsZSI6bnVsbH0sIlRpdGxlU3R5bGUiOnsiJGlkIjoiOTQiLCJGb250U2V0dGluZ3MiOnsiJGlkIjoiOTUiLCJGb250U2l6ZSI6MTEsIkZvbnROYW1lIjoiQ2FsaWJyaSIsIklzQm9sZCI6dHJ1ZSwiSXNJdGFsaWMiOmZhbHNlLCJJc1VuZGVybGluZWQiOmZhbHNlLCJQYXJlbnRTdHlsZSI6bnVsbH0sIkF1dG9TaXplIjowLCJGb3JlZ3JvdW5kIjp7IiRpZCI6Ijk2IiwiQ29sb3IiOnsiJGlkIjoiOTciLCJBIjoyNTUsIlIiOjAsIkciOjAsIkIiOjB9fSwiTWF4V2lkdGgiOjcyMC4wLCJNYXhIZWlnaHQiOiJJbmZpbml0eSIsIlNtYXJ0Rm9yZWdyb3VuZElzQWN0aXZlIjpmYWxzZSwiSG9yaXpvbnRhbEFsaWdubWVudCI6MCwiVmVydGljYWxBbGlnbm1lbnQiOjAsIlNtYXJ0Rm9yZWdyb3VuZCI6bnVsbCwiQmFja2dyb3VuZEZpbGxUeXBlIjowLCJNYXJnaW4iOnsiJGlkIjoiOTgiLCJUb3AiOjAuMCwiTGVmdCI6MC4wLCJSaWdodCI6MC4wLCJCb3R0b20iOjAuMH0sIlBhZGRpbmciOnsiJGlkIjoiOTkiLCJUb3AiOjAuMCwiTGVmdCI6MC4wLCJSaWdodCI6MC4wLCJCb3R0b20iOjAuMH0sIkJhY2tncm91bmQiOnsiJGlkIjoiMTAwIiwiQ29sb3IiOnsiJGlkIjoiMTAxIiwiQSI6MCwiUiI6MjU1LCJHIjoyNTUsIkIiOjI1NX19LCJJc1Zpc2libGUiOnRydWUsIldpZHRoIjowLjAsIkhlaWdodCI6MC4wLCJCb3JkZXJTdHlsZSI6eyIkaWQiOiIxMDIiLCJMaW5lQ29sb3IiOm51bGwsIkxpbmVXZWlnaHQiOjAuMCwiTGluZVR5cGUiOjAsIlBhcmVudFN0eWxlIjpudWxsfSwiUGFyZW50U3R5bGUiOm51bGx9LCJEYXRlU3R5bGUiOnsiJGlkIjoiMTAzIiwiRm9udFNldHRpbmdzIjp7IiRpZCI6IjEwNCIsIkZvbnRTaXplIjoxMCwiRm9udE5hbWUiOiJDYWxpYnJpIiwiSXNCb2xkIjpmYWxzZSwiSXNJdGFsaWMiOmZhbHNlLCJJc1VuZGVybGluZWQiOmZhbHNlLCJQYXJlbnRTdHlsZSI6bnVsbH0sIkF1dG9TaXplIjowLCJGb3JlZ3JvdW5kIjp7IiRpZCI6IjEwNSIsIkNvbG9yIjp7IiRpZCI6IjEwNiIsIkEiOjI1NSwiUiI6NjgsIkciOjg0LCJCIjoxMDZ9fSwiTWF4V2lkdGgiOjIwMC4wLCJNYXhIZWlnaHQiOiJJbmZpbml0eSIsIlNtYXJ0Rm9yZWdyb3VuZElzQWN0aXZlIjpmYWxzZSwiSG9yaXpvbnRhbEFsaWdubWVudCI6MSwiVmVydGljYWxBbGlnbm1lbnQiOjAsIlNtYXJ0Rm9yZWdyb3VuZCI6bnVsbCwiQmFja2dyb3VuZEZpbGxUeXBlIjowLCJNYXJnaW4iOnsiJGlkIjoiMTA3IiwiVG9wIjowLjAsIkxlZnQiOjAuMCwiUmlnaHQiOjAuMCwiQm90dG9tIjowLjB9LCJQYWRkaW5nIjp7IiRpZCI6IjEwOCIsIlRvcCI6MC4wLCJMZWZ0IjowLjAsIlJpZ2h0IjowLjAsIkJvdHRvbSI6MC4wfSwiQmFja2dyb3VuZCI6eyIkaWQiOiIxMDkiLCJDb2xvciI6eyIkaWQiOiIxMTAiLCJBIjowLCJSIjoyNTUsIkciOjI1NSwiQiI6MjU1fX0sIklzVmlzaWJsZSI6dHJ1ZSwiV2lkdGgiOjAuMCwiSGVpZ2h0IjowLjAsIkJvcmRlclN0eWxlIjp7IiRpZCI6IjExMSIsIkxpbmVDb2xvciI6bnVsbCwiTGluZVdlaWdodCI6MC4wLCJMaW5lVHlwZSI6MCwiUGFyZW50U3R5bGUiOm51bGx9LCJQYXJlbnRTdHlsZSI6bnVsbH0sIkRhdGVGb3JtYXQiOnsiJGlkIjoiMTEyIiwiRm9ybWF0U3RyaW5nIjoiTU1NIGQiLCJTZXBhcmF0b3IiOiIvIiwiVXNlSW50ZXJuYXRpb25hbERhdGVGb3JtYXQiOmZhbHNlLCJEYXRlSXNWaXNpYmxlIjp0cnVlLCJUaW1lSXNWaXNpYmxlIjpmYWxzZSwiSG91ckRpZ2l0cyI6MSwiQW1QbURlc2lnbmF0b3IiOjIsIlRyaW0wME1pbnV0ZXMiOmZhbHNlLCJMYXN0S25vd25WaXNpYmlsaXR5U3RhdGUiOm51bGx9LCJXZWVrTnVtYmVyaW5nIjp7IiRpZCI6IjExMyIsIkZvcm1hdCI6MCwiSXNWaXNpYmxlIjpmYWxzZSwiTGFzdEtub3duVmlzaWJpbGl0eVN0YXRlIjpmYWxzZX0sIklzVmlzaWJsZSI6dHJ1ZSwiUGFyZW50U3R5bGUiOm51bGx9LCJJbmRleCI6MiwiU21hcnREdXJhdGlvbkFjdGl2YXRlZCI6ZmFsc2UsIkRhdGVGb3JtYXQiOnsiJHJlZiI6IjExMiJ9LCJXZWVrTnVtYmVyaW5nIjp7IiRpZCI6IjExNCIsIkZvcm1hdCI6MCwiSXNWaXNpYmxlIjpmYWxzZSwiTGFzdEtub3duVmlzaWJpbGl0eVN0YXRlIjpmYWxzZX0sIklkIjoiYWY2YmY2YzMtYjNlNS00YmRiLTg5NDQtYjgxYjk5OGE0NTVlIiwiSW1wb3J0SWQiOm51bGwsIlRpdGxlIjoiQ29uZmlndXJhdGlvbiBUb29sIFNldHVwIiwiTm90ZSI6bnVsbCwiSHlwZXJsaW5rIjp7IiRpZCI6IjExNSIsIkFkZHJlc3MiOiIiLCJTdWJBZGRyZXNzIjoiIn0sIklzQ2hhbmdlZCI6ZmFsc2UsIklzTmV3IjpmYWxzZX19XSwiX21pbGVzdG9uZXMiOltdLCJJZCI6IjAwMDAwMDAwLTAwMDAtMDAwMC0wMDAwLTAwMDAwMDAwMDAwMCIsIklzU2luZ2xlSXRlbVJvdyI6dHJ1ZX0seyIkaWQiOiIxMTYiLCJfdGFza3MiOlt7IiRpZCI6IjExNyIsIl9hdHRhY2hlZE1pbGVzdG9uZXMiOltdLCJUYXNrRGVmaW5pdGlvbiI6eyIkaWQiOiIxMTgiLCJHcm91cE5hbWUiOm51bGwsIlN0YXJ0RGF0ZSI6IjIwMjItMDQtMDlUMDA6MDA6MDBaIiwiRW5kRGF0ZSI6IjIwMjItMDQtMTVUMjM6NTk6MDBaIiwiUGVyY2VudGFnZUNvbXBsZXRlIjpudWxsLCJTdHlsZSI6eyIkaWQiOiIxMTkiLCJTaGFwZSI6MiwiU2hhcGVUaGlja25lc3MiOjEsIkR1cmF0aW9uRm9ybWF0IjowLCJJbmNsdWRlTm9uV29ya2luZ0RheXNJbkR1cmF0aW9uIjpmYWxzZSwiUGVyY2VudGFnZUNvbXBsZXRlU3R5bGUiOnsiJGlkIjoiMTIwIiwiRm9udFNldHRpbmdzIjp7IiRpZCI6IjEyMSIsIkZvbnRTaXplIjoxMCwiRm9udE5hbWUiOiJDYWxpYnJpIiwiSXNCb2xkIjpmYWxzZSwiSXNJdGFsaWMiOmZhbHNlLCJJc1VuZGVybGluZWQiOmZhbHNlLCJQYXJlbnRTdHlsZSI6bnVsbH0sIkF1dG9TaXplIjowLCJGb3JlZ3JvdW5kIjp7IiRyZWYiOiIxMCJ9LCJNYXhXaWR0aCI6MjAwLjAsIk1heEhlaWdodCI6IkluZmluaXR5IiwiU21hcnRGb3JlZ3JvdW5kSXNBY3RpdmUiOmZhbHNlLCJIb3Jpem9udGFsQWxpZ25tZW50IjowLCJWZXJ0aWNhbEFsaWdubWVudCI6MCwiU21hcnRGb3JlZ3JvdW5kIjpudWxsLCJCYWNrZ3JvdW5kRmlsbFR5cGUiOjAsIk1hcmdpbiI6eyIkaWQiOiIxMjIiLCJUb3AiOjAuMCwiTGVmdCI6MC4wLCJSaWdodCI6MC4wLCJCb3R0b20iOjAuMH0sIlBhZGRpbmciOnsiJGlkIjoiMTIzIiwiVG9wIjowLjAsIkxlZnQiOjAuMCwiUmlnaHQiOjAuMCwiQm90dG9tIjowLjB9LCJCYWNrZ3JvdW5kIjp7IiRpZCI6IjEyNCIsIkNvbG9yIjp7IiRpZCI6IjEyNSIsIkEiOjg5LCJSIjowLCJHIjowLCJCIjowfX0sIklzVmlzaWJsZSI6dHJ1ZSwiV2lkdGgiOjAuMCwiSGVpZ2h0IjowLjAsIkJvcmRlclN0eWxlIjp7IiRpZCI6IjEyNiIsIkxpbmVDb2xvciI6bnVsbCwiTGluZVdlaWdodCI6MC4wLCJMaW5lVHlwZSI6MCwiUGFyZW50U3R5bGUiOm51bGx9LCJQYXJlbnRTdHlsZSI6bnVsbH0sIkR1cmF0aW9uU3R5bGUiOnsiJGlkIjoiMTI3IiwiRm9udFNldHRpbmdzIjp7IiRpZCI6IjEyOCIsIkZvbnRTaXplIjoxMCwiRm9udE5hbWUiOiJDYWxpYnJpIiwiSXNCb2xkIjpmYWxzZSwiSXNJdGFsaWMiOmZhbHNlLCJJc1VuZGVybGluZWQiOmZhbHNlLCJQYXJlbnRTdHlsZSI6bnVsbH0sIkF1dG9TaXplIjowLCJGb3JlZ3JvdW5kIjp7IiRpZCI6IjEyOSIsIkNvbG9yIjp7IiRpZCI6IjEzMCIsIkEiOjI1NSwiUiI6MjM3LCJHIjoxMjUsIkIiOjQ5fX0sIk1heFdpZHRoIjoyMDAuMCwiTWF4SGVpZ2h0IjoiSW5maW5pdHkiLCJTbWFydEZvcmVncm91bmRJc0FjdGl2ZSI6ZmFsc2UsIkhvcml6b250YWxBbGlnbm1lbnQiOjAsIlZlcnRpY2FsQWxpZ25tZW50IjowLCJTbWFydEZvcmVncm91bmQiOm51bGwsIkJhY2tncm91bmRGaWxsVHlwZSI6MCwiTWFyZ2luIjp7IiRpZCI6IjEzMSIsIlRvcCI6MC4wLCJMZWZ0IjowLjAsIlJpZ2h0IjowLjAsIkJvdHRvbSI6MC4wfSwiUGFkZGluZyI6eyIkaWQiOiIxMzIiLCJUb3AiOjAuMCwiTGVmdCI6MC4wLCJSaWdodCI6MC4wLCJCb3R0b20iOjAuMH0sIkJhY2tncm91bmQiOnsiJGlkIjoiMTMzIiwiQ29sb3IiOnsiJHJlZiI6IjEyNSJ9fSwiSXNWaXNpYmxlIjp0cnVlLCJXaWR0aCI6MC4wLCJIZWlnaHQiOjAuMCwiQm9yZGVyU3R5bGUiOnsiJGlkIjoiMTM0IiwiTGluZUNvbG9yIjpudWxsLCJMaW5lV2VpZ2h0IjowLjAsIkxpbmVUeXBlIjowLCJQYXJlbnRTdHlsZSI6bnVsbH0sIlBhcmVudFN0eWxlIjpudWxsfSwiSG9yaXpvbnRhbENvbm5lY3RvclN0eWxlIjp7IiRpZCI6IjEzNSIsIkxpbmVDb2xvciI6eyIkaWQiOiIxMzYiLCIkdHlwZSI6Ik5MUkUuQ29tbW9uLkRvbS5Tb2xpZENvbG9yQnJ1c2gsIE5MUkUuQ29tbW9uIiwiQ29sb3IiOnsiJGlkIjoiMTM3IiwiQSI6MjU1LCJSIjoyMDQsIkciOjIwNCwiQiI6MjA0fX0sIkxpbmVXZWlnaHQiOjEuMCwiTGluZVR5cGUiOjAsIlBhcmVudFN0eWxlIjpudWxsfSwiVmVydGljYWxDb25uZWN0b3JTdHlsZSI6eyIkaWQiOiIxMzgiLCJMaW5lQ29sb3IiOnsiJGlkIjoiMTM5IiwiJHR5cGUiOiJOTFJFLkNvbW1vbi5Eb20uU29saWRDb2xvckJydXNoLCBOTFJFLkNvbW1vbiIsIkNvbG9yIjp7IiRpZCI6IjE0MCIsIkEiOjI1NSwiUiI6MjA0LCJHIjoyMDQsIkIiOjIwNH19LCJMaW5lV2VpZ2h0IjowLjAsIkxpbmVUeXBlIjowLCJQYXJlbnRTdHlsZSI6bnVsbH0sIk1hcmdpbiI6bnVsbCwiU3RhcnREYXRlUG9zaXRpb24iOjMsIkVuZERhdGVQb3NpdGlvbiI6NCwiRGF0ZUlzVmlzaWJsZSI6dHJ1ZSwiVGl0bGVQb3NpdGlvbiI6MiwiRHVyYXRpb25Qb3NpdGlvbiI6NiwiUGVyY2VudGFnZUNvbXBsZXRlZFBvc2l0aW9uIjo2LCJTcGFjaW5nIjo1LCJJc0JlbG93VGltZWJhbmQiOnRydWUsIlBlcmNlbnRhZ2VDb21wbGV0ZVNoYXBlT3BhY2l0eSI6MzUsIlNoYXBlU3R5bGUiOnsiJGlkIjoiMTQxIiwiTWFyZ2luIjp7IiRpZCI6IjE0MiIsIlRvcCI6MC4wLCJMZWZ0Ijo0LjAsIlJpZ2h0Ijo0LjAsIkJvdHRvbSI6MC4wfSwiUGFkZGluZyI6eyIkaWQiOiIxNDMiLCJUb3AiOjAuMCwiTGVmdCI6MC4wLCJSaWdodCI6MC4wLCJCb3R0b20iOjAuMH0sIkJhY2tncm91bmQiOnsiJGlkIjoiMTQ0IiwiQ29sb3IiOnsiJGlkIjoiMTQ1IiwiQSI6MjU1LCJSIjo5MSwiRyI6MTU1LCJCIjoyMTN9fSwiSXNWaXNpYmxlIjp0cnVlLCJXaWR0aCI6MC4wLCJIZWlnaHQiOjE2LjAsIkJvcmRlclN0eWxlIjp7IiRpZCI6IjE0NiIsIkxpbmVDb2xvciI6eyIkaWQiOiIxNDciLCIkdHlwZSI6Ik5MUkUuQ29tbW9uLkRvbS5Tb2xpZENvbG9yQnJ1c2gsIE5MUkUuQ29tbW9uIiwiQ29sb3IiOnsiJGlkIjoiMTQ4IiwiQSI6MjU1LCJSIjoyNTUsIkciOjAsIkIiOjB9fSwiTGluZVdlaWdodCI6MC4wLCJMaW5lVHlwZSI6MCwiUGFyZW50U3R5bGUiOm51bGx9LCJQYXJlbnRTdHlsZSI6bnVsbH0sIlRpdGxlU3R5bGUiOnsiJGlkIjoiMTQ5IiwiRm9udFNldHRpbmdzIjp7IiRpZCI6IjE1MCIsIkZvbnRTaXplIjoxMSwiRm9udE5hbWUiOiJDYWxpYnJpIiwiSXNCb2xkIjp0cnVlLCJJc0l0YWxpYyI6ZmFsc2UsIklzVW5kZXJsaW5lZCI6ZmFsc2UsIlBhcmVudFN0eWxlIjpudWxsfSwiQXV0b1NpemUiOjAsIkZvcmVncm91bmQiOnsiJGlkIjoiMTUxIiwiQ29sb3IiOnsiJGlkIjoiMTUyIiwiQSI6MjU1LCJSIjowLCJHIjowLCJCIjowfX0sIk1heFdpZHRoIjo3MjAuMCwiTWF4SGVpZ2h0IjoiSW5maW5pdHkiLCJTbWFydEZvcmVncm91bmRJc0FjdGl2ZSI6ZmFsc2UsIkhvcml6b250YWxBbGlnbm1lbnQiOjEsIlZlcnRpY2FsQWxpZ25tZW50IjowLCJTbWFydEZvcmVncm91bmQiOm51bGwsIkJhY2tncm91bmRGaWxsVHlwZSI6MCwiTWFyZ2luIjp7IiRpZCI6IjE1MyIsIlRvcCI6MC4wLCJMZWZ0IjowLjAsIlJpZ2h0IjowLjAsIkJvdHRvbSI6MC4wfSwiUGFkZGluZyI6eyIkaWQiOiIxNTQiLCJUb3AiOjAuMCwiTGVmdCI6MC4wLCJSaWdodCI6MC4wLCJCb3R0b20iOjAuMH0sIkJhY2tncm91bmQiOnsiJGlkIjoiMTU1IiwiQ29sb3IiOnsiJGlkIjoiMTU2IiwiQSI6MCwiUiI6MjU1LCJHIjoyNTUsIkIiOjI1NX19LCJJc1Zpc2libGUiOnRydWUsIldpZHRoIjowLjAsIkhlaWdodCI6MC4wLCJCb3JkZXJTdHlsZSI6eyIkaWQiOiIxNTciLCJMaW5lQ29sb3IiOm51bGwsIkxpbmVXZWlnaHQiOjAuMCwiTGluZVR5cGUiOjAsIlBhcmVudFN0eWxlIjpudWxsfSwiUGFyZW50U3R5bGUiOm51bGx9LCJEYXRlU3R5bGUiOnsiJGlkIjoiMTU4IiwiRm9udFNldHRpbmdzIjp7IiRpZCI6IjE1OSIsIkZvbnRTaXplIjoxMCwiRm9udE5hbWUiOiJDYWxpYnJpIiwiSXNCb2xkIjpmYWxzZSwiSXNJdGFsaWMiOmZhbHNlLCJJc1VuZGVybGluZWQiOmZhbHNlLCJQYXJlbnRTdHlsZSI6bnVsbH0sIkF1dG9TaXplIjowLCJGb3JlZ3JvdW5kIjp7IiRpZCI6IjE2MCIsIkNvbG9yIjp7IiRpZCI6IjE2MSIsIkEiOjI1NSwiUiI6NjgsIkciOjg0LCJCIjoxMDZ9fSwiTWF4V2lkdGgiOjIwMC4wLCJNYXhIZWlnaHQiOiJJbmZpbml0eSIsIlNtYXJ0Rm9yZWdyb3VuZElzQWN0aXZlIjpmYWxzZSwiSG9yaXpvbnRhbEFsaWdubWVudCI6MSwiVmVydGljYWxBbGlnbm1lbnQiOjAsIlNtYXJ0Rm9yZWdyb3VuZCI6bnVsbCwiQmFja2dyb3VuZEZpbGxUeXBlIjowLCJNYXJnaW4iOnsiJGlkIjoiMTYyIiwiVG9wIjowLjAsIkxlZnQiOjAuMCwiUmlnaHQiOjAuMCwiQm90dG9tIjowLjB9LCJQYWRkaW5nIjp7IiRpZCI6IjE2MyIsIlRvcCI6MC4wLCJMZWZ0IjowLjAsIlJpZ2h0IjowLjAsIkJvdHRvbSI6MC4wfSwiQmFja2dyb3VuZCI6eyIkaWQiOiIxNjQiLCJDb2xvciI6eyIkaWQiOiIxNjUiLCJBIjowLCJSIjoyNTUsIkciOjI1NSwiQiI6MjU1fX0sIklzVmlzaWJsZSI6dHJ1ZSwiV2lkdGgiOjAuMCwiSGVpZ2h0IjowLjAsIkJvcmRlclN0eWxlIjp7IiRpZCI6IjE2NiIsIkxpbmVDb2xvciI6bnVsbCwiTGluZVdlaWdodCI6MC4wLCJMaW5lVHlwZSI6MCwiUGFyZW50U3R5bGUiOm51bGx9LCJQYXJlbnRTdHlsZSI6bnVsbH0sIkRhdGVGb3JtYXQiOnsiJGlkIjoiMTY3IiwiRm9ybWF0U3RyaW5nIjoiTU1NIGQiLCJTZXBhcmF0b3IiOiIvIiwiVXNlSW50ZXJuYXRpb25hbERhdGVGb3JtYXQiOmZhbHNlLCJEYXRlSXNWaXNpYmxlIjp0cnVlLCJUaW1lSXNWaXNpYmxlIjpmYWxzZSwiSG91ckRpZ2l0cyI6MSwiQW1QbURlc2lnbmF0b3IiOjIsIlRyaW0wME1pbnV0ZXMiOmZhbHNlLCJMYXN0S25vd25WaXNpYmlsaXR5U3RhdGUiOm51bGx9LCJXZWVrTnVtYmVyaW5nIjp7IiRpZCI6IjE2OCIsIkZvcm1hdCI6MCwiSXNWaXNpYmxlIjpmYWxzZSwiTGFzdEtub3duVmlzaWJpbGl0eVN0YXRlIjpmYWxzZX0sIklzVmlzaWJsZSI6dHJ1ZSwiUGFyZW50U3R5bGUiOm51bGx9LCJJbmRleCI6MywiU21hcnREdXJhdGlvbkFjdGl2YXRlZCI6ZmFsc2UsIkRhdGVGb3JtYXQiOnsiJHJlZiI6IjE2NyJ9LCJXZWVrTnVtYmVyaW5nIjp7IiRpZCI6IjE2OSIsIkZvcm1hdCI6MCwiSXNWaXNpYmxlIjpmYWxzZSwiTGFzdEtub3duVmlzaWJpbGl0eVN0YXRlIjpmYWxzZX0sIklkIjoiYzEyMWZlZTktMGZmYi00YmU5LWEwODMtYTBkMWQwMDVhZGQ2IiwiSW1wb3J0SWQiOm51bGwsIlRpdGxlIjoiU1JTIiwiTm90ZSI6bnVsbCwiSHlwZXJsaW5rIjp7IiRpZCI6IjE3MCIsIkFkZHJlc3MiOiIiLCJTdWJBZGRyZXNzIjoiIn0sIklzQ2hhbmdlZCI6ZmFsc2UsIklzTmV3IjpmYWxzZX19XSwiX21pbGVzdG9uZXMiOltdLCJJZCI6IjAwMDAwMDAwLTAwMDAtMDAwMC0wMDAwLTAwMDAwMDAwMDAwMCIsIklzU2luZ2xlSXRlbVJvdyI6dHJ1ZX1dLCJJbmRleCI6MCwiSWQiOiJhOTVhZTBhOC04MWMwLTQ3ZGMtYWMzOS0zMWU2ZjcyMDE2MzciLCJIZWFkZXJUZXh0IjpudWxsLCJJc0RlZmF1bHQiOnRydWUsIlN0eWxlIjp7IiRpZCI6IjE3MSIsIkhlYWRlclN0eWxlIjp7IiRpZCI6IjE3MiIsIlRleHRTdHlsZSI6eyIkaWQiOiIxNzMiLCJGb250U2V0dGluZ3MiOnsiJGlkIjoiMTc0IiwiRm9udFNpemUiOjExLCJGb250TmFtZSI6IkNhbGlicmkiLCJJc0JvbGQiOmZhbHNlLCJJc0l0YWxpYyI6ZmFsc2UsIklzVW5kZXJsaW5lZCI6ZmFsc2UsIlBhcmVudFN0eWxlIjpudWxsfSwiQXV0b1NpemUiOjIsIkZvcmVncm91bmQiOnsiJGlkIjoiMTc1IiwiQ29sb3IiOnsiJGlkIjoiMTc2IiwiQSI6MjU1LCJSIjowLCJHIjowLCJCIjowfX0sIk1heFdpZHRoIjowLjAsIk1heEhlaWdodCI6IkluZmluaXR5IiwiU21hcnRGb3JlZ3JvdW5kSXNBY3RpdmUiOmZhbHNlLCJIb3Jpem9udGFsQWxpZ25tZW50IjowLCJWZXJ0aWNhbEFsaWdubWVudCI6MCwiU21hcnRGb3JlZ3JvdW5kIjpudWxsLCJCYWNrZ3JvdW5kRmlsbFR5cGUiOjAsIk1hcmdpbiI6eyIkaWQiOiIxNzciLCJUb3AiOjAuMCwiTGVmdCI6MC4wLCJSaWdodCI6MC4wLCJCb3R0b20iOjAuMH0sIlBhZGRpbmciOnsiJGlkIjoiMTc4IiwiVG9wIjowLjAsIkxlZnQiOjAuMCwiUmlnaHQiOjAuMCwiQm90dG9tIjowLjB9LCJCYWNrZ3JvdW5kIjpudWxsLCJJc1Zpc2libGUiOnRydWUsIldpZHRoIjowLjAsIkhlaWdodCI6MC4wLCJCb3JkZXJTdHlsZSI6bnVsbCwiUGFyZW50U3R5bGUiOm51bGx9LCJSZWN0YW5nbGVTdHlsZSI6eyIkaWQiOiIxNzkiLCJNYXJnaW4iOnsiJGlkIjoiMTgwIiwiVG9wIjowLjAsIkxlZnQiOjAuMCwiUmlnaHQiOjAuMCwiQm90dG9tIjowLjB9LCJQYWRkaW5nIjp7IiRpZCI6IjE4MSIsIlRvcCI6MC4wLCJMZWZ0IjowLjAsIlJpZ2h0IjowLjAsIkJvdHRvbSI6MC4wfSwiQmFja2dyb3VuZCI6eyIkaWQiOiIxODIiLCJDb2xvciI6eyIkaWQiOiIxODMiLCJBIjo2MywiUiI6OTEsIkciOjE1NSwiQiI6MjEzfX0sIklzVmlzaWJsZSI6dHJ1ZSwiV2lkdGgiOjAuMCwiSGVpZ2h0IjowLjAsIkJvcmRlclN0eWxlIjp7IiRpZCI6IjE4NCIsIkxpbmVDb2xvciI6eyIkaWQiOiIxODUiLCIkdHlwZSI6Ik5MUkUuQ29tbW9uLkRvbS5Tb2xpZENvbG9yQnJ1c2gsIE5MUkUuQ29tbW9uIiwiQ29sb3IiOnsiJGlkIjoiMTg2IiwiQSI6MjU1LCJSIjoyNTUsIkciOjAsIkIiOjB9fSwiTGluZVdlaWdodCI6MC4wLCJMaW5lVHlwZSI6MCwiUGFyZW50U3R5bGUiOm51bGx9LCJQYXJlbnRTdHlsZSI6bnVsbH0sIk1hcmdpbiI6eyIkaWQiOiIxODciLCJUb3AiOjAuMCwiTGVmdCI6MC4wLCJSaWdodCI6MC4wLCJCb3R0b20iOjAuMH0sIlBhZGRpbmciOnsiJGlkIjoiMTg4IiwiVG9wIjowLjAsIkxlZnQiOjAuMCwiUmlnaHQiOjAuMCwiQm90dG9tIjowLjB9LCJCYWNrZ3JvdW5kIjpudWxsLCJJc1Zpc2libGUiOnRydWUsIldpZHRoIjowLjAsIkhlaWdodCI6MC4wLCJCb3JkZXJTdHlsZSI6bnVsbCwiUGFyZW50U3R5bGUiOm51bGx9LCJCYWNrZ3JvdW5kU3R5bGUiOnsiJGlkIjoiMTg5IiwiTWFyZ2luIjp7IiRpZCI6IjE5MCIsIlRvcCI6MC4wLCJMZWZ0IjowLjAsIlJpZ2h0IjowLjAsIkJvdHRvbSI6MC4wfSwiUGFkZGluZyI6eyIkaWQiOiIxOTEiLCJUb3AiOjAuMCwiTGVmdCI6MC4wLCJSaWdodCI6MC4wLCJCb3R0b20iOjAuMH0sIkJhY2tncm91bmQiOnsiJGlkIjoiMTkyIiwiQ29sb3IiOnsiJGlkIjoiMTkzIiwiQSI6NTEsIlIiOjE2NSwiRyI6MTY1LCJCIjoxNjV9fSwiSXNWaXNpYmxlIjp0cnVlLCJXaWR0aCI6MC4wLCJIZWlnaHQiOjAuMCwiQm9yZGVyU3R5bGUiOnsiJGlkIjoiMTk0IiwiTGluZUNvbG9yIjp7IiRpZCI6IjE5NSIsIiR0eXBlIjoiTkxSRS5Db21tb24uRG9tLlNvbGlkQ29sb3JCcnVzaCwgTkxSRS5Db21tb24iLCJDb2xvciI6eyIkaWQiOiIxOTYiLCJBIjoyNTUsIlIiOjI1NSwiRyI6MCwiQiI6MH19LCJMaW5lV2VpZ2h0IjowLjAsIkxpbmVUeXBlIjowLCJQYXJlbnRTdHlsZSI6bnVsbH0sIlBhcmVudFN0eWxlIjpudWxsfSwiTWFyZ2luIjp7IiRpZCI6IjE5NyIsIlRvcCI6MC4wLCJMZWZ0IjowLjAsIlJpZ2h0IjowLjAsIkJvdHRvbSI6MC4wfSwiUGFkZGluZyI6eyIkaWQiOiIxOTgiLCJUb3AiOjAuMCwiTGVmdCI6MC4wLCJSaWdodCI6MC4wLCJCb3R0b20iOjAuMH0sIklzVmlzaWJsZSI6ZmFsc2UsIldpZHRoIjowLjAsIkhlaWdodCI6MC4wLCJCb3JkZXJTdHlsZSI6bnVsbCwiUGFyZW50U3R5bGUiOm51bGx9fV0sIklkIjoiOTNiMGIwOGYtZmUwYi00NzYzLWJmNGQtZjkzOGYzOGRmNzE3IiwiSW5kZXgiOjAsIkhlYWRlclRleHQiOiJQcm9qZWN0IFBsYW5uaW5nIiwiU3R5bGUiOnsiJGlkIjoiMTk5IiwiSGVhZGVyU3R5bGUiOnsiJGlkIjoiMjAwIiwiVGV4dElzVmVydGljYWwiOmZhbHNlLCJUZXh0U3R5bGUiOnsiJGlkIjoiMjAxIiwiRm9udFNldHRpbmdzIjp7IiRpZCI6IjIwMiIsIkZvbnRTaXplIjoxMiwiRm9udE5hbWUiOiJDYWxpYnJpIiwiSXNCb2xkIjpmYWxzZSwiSXNJdGFsaWMiOmZhbHNlLCJJc1VuZGVybGluZWQiOmZhbHNlLCJQYXJlbnRTdHlsZSI6bnVsbH0sIkF1dG9TaXplIjoyLCJGb3JlZ3JvdW5kIjp7IiRpZCI6IjIwMyIsIkNvbG9yIjp7IiRpZCI6IjIwNCIsIkEiOjI1NSwiUiI6MjU1LCJHIjoyNTUsIkIiOjI1NX19LCJNYXhXaWR0aCI6MTYwLjAsIk1heEhlaWdodCI6IkluZmluaXR5IiwiU21hcnRGb3JlZ3JvdW5kSXNBY3RpdmUiOmZhbHNlLCJIb3Jpem9udGFsQWxpZ25tZW50IjowLCJWZXJ0aWNhbEFsaWdubWVudCI6MCwiU21hcnRGb3JlZ3JvdW5kIjpudWxsLCJCYWNrZ3JvdW5kRmlsbFR5cGUiOjAsIk1hcmdpbiI6eyIkaWQiOiIyMDUiLCJUb3AiOjAuMCwiTGVmdCI6MC4wLCJSaWdodCI6MC4wLCJCb3R0b20iOjAuMH0sIlBhZGRpbmciOnsiJGlkIjoiMjA2IiwiVG9wIjowLjAsIkxlZnQiOjAuMCwiUmlnaHQiOjAuMCwiQm90dG9tIjowLjB9LCJCYWNrZ3JvdW5kIjpudWxsLCJJc1Zpc2libGUiOnRydWUsIldpZHRoIjowLjAsIkhlaWdodCI6MC4wLCJCb3JkZXJTdHlsZSI6bnVsbCwiUGFyZW50U3R5bGUiOm51bGx9LCJSZWN0YW5nbGVTdHlsZSI6eyIkaWQiOiIyMDciLCJNYXJnaW4iOnsiJGlkIjoiMjA4IiwiVG9wIjowLjAsIkxlZnQiOjAuMCwiUmlnaHQiOjAuMCwiQm90dG9tIjowLjB9LCJQYWRkaW5nIjp7IiRpZCI6IjIwOSIsIlRvcCI6MC4wLCJMZWZ0IjowLjAsIlJpZ2h0IjowLjAsIkJvdHRvbSI6MC4wfSwiQmFja2dyb3VuZCI6eyIkaWQiOiIyMTAiLCJDb2xvciI6eyIkaWQiOiIyMTEiLCJBIjoyNTUsIlIiOjkxLCJHIjoxNTUsIkIiOjIxM319LCJJc1Zpc2libGUiOnRydWUsIldpZHRoIjowLjAsIkhlaWdodCI6MC4wLCJCb3JkZXJTdHlsZSI6eyIkaWQiOiIyMTIiLCJMaW5lQ29sb3IiOnsiJGlkIjoiMjEzIiwiJHR5cGUiOiJOTFJFLkNvbW1vbi5Eb20uU29saWRDb2xvckJydXNoLCBOTFJFLkNvbW1vbiIsIkNvbG9yIjp7IiRpZCI6IjIxNCIsIkEiOjI1NSwiUiI6MjU1LCJHIjowLCJCIjowfX0sIkxpbmVXZWlnaHQiOjAuMCwiTGluZVR5cGUiOjAsIlBhcmVudFN0eWxlIjpudWxsfSwiUGFyZW50U3R5bGUiOm51bGx9LCJNYXJnaW4iOnsiJGlkIjoiMjE1IiwiVG9wIjowLjAsIkxlZnQiOjAuMCwiUmlnaHQiOjAuMCwiQm90dG9tIjowLjB9LCJQYWRkaW5nIjp7IiRpZCI6IjIxNiIsIlRvcCI6MC4wLCJMZWZ0IjowLjAsIlJpZ2h0IjowLjAsIkJvdHRvbSI6MC4wfSwiQmFja2dyb3VuZCI6bnVsbCwiSXNWaXNpYmxlIjp0cnVlLCJXaWR0aCI6MC4wLCJIZWlnaHQiOjAuMCwiQm9yZGVyU3R5bGUiOm51bGwsIlBhcmVudFN0eWxlIjpudWxsfSwiQmFja2dyb3VuZFN0eWxlIjp7IiRpZCI6IjIxNyIsIk1hcmdpbiI6eyIkaWQiOiIyMTgiLCJUb3AiOjAuMCwiTGVmdCI6MC4wLCJSaWdodCI6MC4wLCJCb3R0b20iOjAuMH0sIlBhZGRpbmciOnsiJGlkIjoiMjE5IiwiVG9wIjowLjAsIkxlZnQiOjAuMCwiUmlnaHQiOjAuMCwiQm90dG9tIjowLjB9LCJCYWNrZ3JvdW5kIjp7IiRpZCI6IjIyMCIsIkNvbG9yIjp7IiRpZCI6IjIyMSIsIkEiOjUxLCJSIjoxNjUsIkciOjE2NSwiQiI6MTY1fX0sIklzVmlzaWJsZSI6dHJ1ZSwiV2lkdGgiOjAuMCwiSGVpZ2h0IjowLjAsIkJvcmRlclN0eWxlIjp7IiRpZCI6IjIyMiIsIkxpbmVDb2xvciI6eyIkaWQiOiIyMjMiLCIkdHlwZSI6Ik5MUkUuQ29tbW9uLkRvbS5Tb2xpZENvbG9yQnJ1c2gsIE5MUkUuQ29tbW9uIiwiQ29sb3IiOnsiJGlkIjoiMjI0IiwiQSI6MjU1LCJSIjoyNTUsIkciOjAsIkIiOjB9fSwiTGluZVdlaWdodCI6MC4wLCJMaW5lVHlwZSI6MCwiUGFyZW50U3R5bGUiOm51bGx9LCJQYXJlbnRTdHlsZSI6bnVsbH0sIklzQWJvdmVUaW1lYmFuZCI6ZmFsc2UsIk1hcmdpbiI6eyIkaWQiOiIyMjUiLCJUb3AiOjAuMCwiTGVmdCI6MC4wLCJSaWdodCI6MC4wLCJCb3R0b20iOjAuMH0sIlBhZGRpbmciOnsiJGlkIjoiMjI2IiwiVG9wIjowLjAsIkxlZnQiOjAuMCwiUmlnaHQiOjAuMCwiQm90dG9tIjowLjB9LCJJc1Zpc2libGUiOnRydWUsIldpZHRoIjowLjAsIkhlaWdodCI6MC4wLCJCb3JkZXJTdHlsZSI6eyIkaWQiOiIyMjciLCJMaW5lQ29sb3IiOm51bGwsIkxpbmVXZWlnaHQiOjAuMCwiTGluZVR5cGUiOjAsIlBhcmVudFN0eWxlIjpudWxsfSwiUGFyZW50U3R5bGUiOm51bGx9fSx7IiRpZCI6IjIyOCIsIl9hY3Rpdml0aWVzIjpbeyIkaWQiOiIyMjkiLCJfcm93cyI6W3siJGlkIjoiMjMwIiwiX3Rhc2tzIjpbeyIkaWQiOiIyMzEiLCJfYXR0YWNoZWRNaWxlc3RvbmVzIjpbXSwiVGFza0RlZmluaXRpb24iOnsiJGlkIjoiMjMyIiwiR3JvdXBOYW1lIjpudWxsLCJTdGFydERhdGUiOiIyMDIyLTA0LTE5VDAwOjAwOjAwWiIsIkVuZERhdGUiOiIyMDIyLTA0LTIxVDIzOjU5OjAwWiIsIlBlcmNlbnRhZ2VDb21wbGV0ZSI6bnVsbCwiU3R5bGUiOnsiJGlkIjoiMjMzIiwiU2hhcGUiOjEsIlNoYXBlVGhpY2tuZXNzIjoxLCJEdXJhdGlvbkZvcm1hdCI6MCwiSW5jbHVkZU5vbldvcmtpbmdEYXlzSW5EdXJhdGlvbiI6ZmFsc2UsIlBlcmNlbnRhZ2VDb21wbGV0ZVN0eWxlIjp7IiRpZCI6IjIzNCIsIkZvbnRTZXR0aW5ncyI6eyIkaWQiOiIyMzUiLCJGb250U2l6ZSI6MTAsIkZvbnROYW1lIjoiQ2FsaWJyaSIsIklzQm9sZCI6ZmFsc2UsIklzSXRhbGljIjpmYWxzZSwiSXNVbmRlcmxpbmVkIjpmYWxzZSwiUGFyZW50U3R5bGUiOm51bGx9LCJBdXRvU2l6ZSI6MCwiRm9yZWdyb3VuZCI6eyIkcmVmIjoiMTAifSwiTWF4V2lkdGgiOjIwMC4wLCJNYXhIZWlnaHQiOiJJbmZpbml0eSIsIlNtYXJ0Rm9yZWdyb3VuZElzQWN0aXZlIjpmYWxzZSwiSG9yaXpvbnRhbEFsaWdubWVudCI6MCwiVmVydGljYWxBbGlnbm1lbnQiOjAsIlNtYXJ0Rm9yZWdyb3VuZCI6bnVsbCwiQmFja2dyb3VuZEZpbGxUeXBlIjowLCJNYXJnaW4iOnsiJHJlZiI6IjY3In0sIlBhZGRpbmciOnsiJHJlZiI6IjY4In0sIkJhY2tncm91bmQiOnsiJHJlZiI6IjY5In0sIklzVmlzaWJsZSI6dHJ1ZSwiV2lkdGgiOjAuMCwiSGVpZ2h0IjowLjAsIkJvcmRlclN0eWxlIjp7IiRpZCI6IjIzNiIsIkxpbmVDb2xvciI6bnVsbCwiTGluZVdlaWdodCI6MC4wLCJMaW5lVHlwZSI6MCwiUGFyZW50U3R5bGUiOm51bGx9LCJQYXJlbnRTdHlsZSI6bnVsbH0sIkR1cmF0aW9uU3R5bGUiOnsiJGlkIjoiMjM3IiwiRm9udFNldHRpbmdzIjp7IiRpZCI6IjIzOCIsIkZvbnRTaXplIjoxMCwiRm9udE5hbWUiOiJDYWxpYnJpIiwiSXNCb2xkIjpmYWxzZSwiSXNJdGFsaWMiOmZhbHNlLCJJc1VuZGVybGluZWQiOmZhbHNlLCJQYXJlbnRTdHlsZSI6bnVsbH0sIkF1dG9TaXplIjowLCJGb3JlZ3JvdW5kIjp7IiRyZWYiOiI3NCJ9LCJNYXhXaWR0aCI6MjAwLjAsIk1heEhlaWdodCI6IkluZmluaXR5IiwiU21hcnRGb3JlZ3JvdW5kSXNBY3RpdmUiOmZhbHNlLCJIb3Jpem9udGFsQWxpZ25tZW50IjowLCJWZXJ0aWNhbEFsaWdubWVudCI6MCwiU21hcnRGb3JlZ3JvdW5kIjpudWxsLCJCYWNrZ3JvdW5kRmlsbFR5cGUiOjAsIk1hcmdpbiI6eyIkcmVmIjoiNzYifSwiUGFkZGluZyI6eyIkcmVmIjoiNzcifSwiQmFja2dyb3VuZCI6eyIkcmVmIjoiNzgifSwiSXNWaXNpYmxlIjp0cnVlLCJXaWR0aCI6MC4wLCJIZWlnaHQiOjAuMCwiQm9yZGVyU3R5bGUiOnsiJGlkIjoiMjM5IiwiTGluZUNvbG9yIjpudWxsLCJMaW5lV2VpZ2h0IjowLjAsIkxpbmVUeXBlIjowLCJQYXJlbnRTdHlsZSI6bnVsbH0sIlBhcmVudFN0eWxlIjpudWxsfSwiSG9yaXpvbnRhbENvbm5lY3RvclN0eWxlIjp7IiRpZCI6IjI0MCIsIkxpbmVDb2xvciI6eyIkcmVmIjoiODEifSwiTGluZVdlaWdodCI6MS4wLCJMaW5lVHlwZSI6MCwiUGFyZW50U3R5bGUiOm51bGx9LCJWZXJ0aWNhbENvbm5lY3RvclN0eWxlIjp7IiRpZCI6IjI0MSIsIkxpbmVDb2xvciI6eyIkcmVmIjoiODQifSwiTGluZVdlaWdodCI6MC4wLCJMaW5lVHlwZSI6MCwiUGFyZW50U3R5bGUiOm51bGx9LCJNYXJnaW4iOm51bGwsIlN0YXJ0RGF0ZVBvc2l0aW9uIjozLCJFbmREYXRlUG9zaXRpb24iOjQsIkRhdGVJc1Zpc2libGUiOnRydWUsIlRpdGxlUG9zaXRpb24iOjAsIkR1cmF0aW9uUG9zaXRpb24iOjYsIlBlcmNlbnRhZ2VDb21wbGV0ZWRQb3NpdGlvbiI6NiwiU3BhY2luZyI6NSwiSXNCZWxvd1RpbWViYW5kIjp0cnVlLCJQZXJjZW50YWdlQ29tcGxldGVTaGFwZU9wYWNpdHkiOjM1LCJTaGFwZVN0eWxlIjp7IiRpZCI6IjI0MiIsIk1hcmdpbiI6eyIkcmVmIjoiODcifSwiUGFkZGluZyI6eyIkcmVmIjoiODgifSwiQmFja2dyb3VuZCI6eyIkaWQiOiIyNDMiLCJDb2xvciI6eyIkaWQiOiIyNDQiLCJBIjoyNTUsIlIiOjI2LCJHIjoxNzAsIkIiOjY2fX0sIklzVmlzaWJsZSI6dHJ1ZSwiV2lkdGgiOjAuMCwiSGVpZ2h0IjoxNi4wLCJCb3JkZXJTdHlsZSI6eyIkaWQiOiIyNDUiLCJMaW5lQ29sb3IiOnsiJGlkIjoiMjQ2IiwiJHR5cGUiOiJOTFJFLkNvbW1vbi5Eb20uU29saWRDb2xvckJydXNoLCBOTFJFLkNvbW1vbiIsIkNvbG9yIjp7IiRpZCI6IjI0NyIsIkEiOjI1NSwiUiI6MjU1LCJHIjowLCJCIjowfX0sIkxpbmVXZWlnaHQiOjAuMCwiTGluZVR5cGUiOjAsIlBhcmVudFN0eWxlIjpudWxsfSwiUGFyZW50U3R5bGUiOm51bGx9LCJUaXRsZVN0eWxlIjp7IiRpZCI6IjI0OCIsIkZvbnRTZXR0aW5ncyI6eyIkaWQiOiIyNDkiLCJGb250U2l6ZSI6MTEsIkZvbnROYW1lIjoiQ2FsaWJyaSIsIklzQm9sZCI6dHJ1ZSwiSXNJdGFsaWMiOmZhbHNlLCJJc1VuZGVybGluZWQiOmZhbHNlLCJQYXJlbnRTdHlsZSI6bnVsbH0sIkF1dG9TaXplIjowLCJGb3JlZ3JvdW5kIjp7IiRpZCI6IjI1MCIsIkNvbG9yIjp7IiRpZCI6IjI1MSIsIkEiOjI1NSwiUiI6MCwiRyI6MCwiQiI6MH19LCJNYXhXaWR0aCI6NzIwLjAsIk1heEhlaWdodCI6IkluZmluaXR5IiwiU21hcnRGb3JlZ3JvdW5kSXNBY3RpdmUiOmZhbHNlLCJIb3Jpem9udGFsQWxpZ25tZW50IjowLCJWZXJ0aWNhbEFsaWdubWVudCI6MCwiU21hcnRGb3JlZ3JvdW5kIjpudWxsLCJCYWNrZ3JvdW5kRmlsbFR5cGUiOjAsIk1hcmdpbiI6eyIkcmVmIjoiOTgifSwiUGFkZGluZyI6eyIkcmVmIjoiOTkifSwiQmFja2dyb3VuZCI6eyIkaWQiOiIyNTIiLCJDb2xvciI6eyIkaWQiOiIyNTMiLCJBIjowLCJSIjoyNTUsIkciOjI1NSwiQiI6MjU1fX0sIklzVmlzaWJsZSI6dHJ1ZSwiV2lkdGgiOjAuMCwiSGVpZ2h0IjowLjAsIkJvcmRlclN0eWxlIjp7IiRpZCI6IjI1NCIsIkxpbmVDb2xvciI6bnVsbCwiTGluZVdlaWdodCI6MC4wLCJMaW5lVHlwZSI6MCwiUGFyZW50U3R5bGUiOm51bGx9LCJQYXJlbnRTdHlsZSI6bnVsbH0sIkRhdGVTdHlsZSI6eyIkaWQiOiIyNTUiLCJGb250U2V0dGluZ3MiOnsiJGlkIjoiMjU2IiwiRm9udFNpemUiOjEwLCJGb250TmFtZSI6IkNhbGlicmkiLCJJc0JvbGQiOmZhbHNlLCJJc0l0YWxpYyI6ZmFsc2UsIklzVW5kZXJsaW5lZCI6ZmFsc2UsIlBhcmVudFN0eWxlIjpudWxsfSwiQXV0b1NpemUiOjAsIkZvcmVncm91bmQiOnsiJGlkIjoiMjU3IiwiQ29sb3IiOnsiJGlkIjoiMjU4IiwiQSI6MjU1LCJSIjo2OCwiRyI6ODQsIkIiOjEwNn19LCJNYXhXaWR0aCI6MjAwLjAsIk1heEhlaWdodCI6IkluZmluaXR5IiwiU21hcnRGb3JlZ3JvdW5kSXNBY3RpdmUiOmZhbHNlLCJIb3Jpem9udGFsQWxpZ25tZW50IjoxLCJWZXJ0aWNhbEFsaWdubWVudCI6MCwiU21hcnRGb3JlZ3JvdW5kIjpudWxsLCJCYWNrZ3JvdW5kRmlsbFR5cGUiOjAsIk1hcmdpbiI6eyIkcmVmIjoiMTA3In0sIlBhZGRpbmciOnsiJHJlZiI6IjEwOCJ9LCJCYWNrZ3JvdW5kIjp7IiRpZCI6IjI1OSIsIkNvbG9yIjp7IiRpZCI6IjI2MCIsIkEiOjAsIlIiOjI1NSwiRyI6MjU1LCJCIjoyNTV9fSwiSXNWaXNpYmxlIjp0cnVlLCJXaWR0aCI6MC4wLCJIZWlnaHQiOjAuMCwiQm9yZGVyU3R5bGUiOnsiJGlkIjoiMjYxIiwiTGluZUNvbG9yIjpudWxsLCJMaW5lV2VpZ2h0IjowLjAsIkxpbmVUeXBlIjowLCJQYXJlbnRTdHlsZSI6bnVsbH0sIlBhcmVudFN0eWxlIjpudWxsfSwiRGF0ZUZvcm1hdCI6eyIkaWQiOiIyNjIiLCJGb3JtYXRTdHJpbmciOiJNTU0gZCIsIlNlcGFyYXRvciI6Ii8iLCJVc2VJbnRlcm5hdGlvbmFsRGF0ZUZvcm1hdCI6ZmFsc2UsIkRhdGVJc1Zpc2libGUiOnRydWUsIlRpbWVJc1Zpc2libGUiOmZhbHNlLCJIb3VyRGlnaXRzIjoxLCJBbVBtRGVzaWduYXRvciI6MiwiVHJpbTAwTWludXRlcyI6ZmFsc2UsIkxhc3RLbm93blZpc2liaWxpdHlTdGF0ZSI6bnVsbH0sIldlZWtOdW1iZXJpbmciOnsiJGlkIjoiMjYzIiwiRm9ybWF0IjowLCJJc1Zpc2libGUiOmZhbHNlLCJMYXN0S25vd25WaXNpYmlsaXR5U3RhdGUiOmZhbHNlfSwiSXNWaXNpYmxlIjp0cnVlLCJQYXJlbnRTdHlsZSI6bnVsbH0sIkluZGV4Ijo1LCJTbWFydER1cmF0aW9uQWN0aXZhdGVkIjpmYWxzZSwiRGF0ZUZvcm1hdCI6eyIkcmVmIjoiMjYyIn0sIldlZWtOdW1iZXJpbmciOnsiJGlkIjoiMjY0IiwiRm9ybWF0IjowLCJJc1Zpc2libGUiOmZhbHNlLCJMYXN0S25vd25WaXNpYmlsaXR5U3RhdGUiOmZhbHNlfSwiSWQiOiI1YjUxMmJjZC05NmVhLTQ3YTUtYjNhZi03OTNlNmU5YTNkYjMiLCJJbXBvcnRJZCI6bnVsbCwiVGl0bGUiOiJXaXJlRnJhbWUiLCJOb3RlIjpudWxsLCJIeXBlcmxpbmsiOnsiJGlkIjoiMjY1IiwiQWRkcmVzcyI6IiIsIlN1YkFkZHJlc3MiOiIifSwiSXNDaGFuZ2VkIjpmYWxzZSwiSXNOZXciOmZhbHNlfX1dLCJfbWlsZXN0b25lcyI6W10sIklkIjoiMDAwMDAwMDAtMDAwMC0wMDAwLTAwMDAtMDAwMDAwMDAwMDAwIiwiSXNTaW5nbGVJdGVtUm93Ijp0cnVlfSx7IiRpZCI6IjI2NiIsIl90YXNrcyI6W3siJGlkIjoiMjY3IiwiX2F0dGFjaGVkTWlsZXN0b25lcyI6W10sIlRhc2tEZWZpbml0aW9uIjp7IiRpZCI6IjI2OCIsIkdyb3VwTmFtZSI6bnVsbCwiU3RhcnREYXRlIjoiMjAyMi0wNC0yM1QwMDowMDowMFoiLCJFbmREYXRlIjoiMjAyMi0wNC0yNlQyMzo1OTowMFoiLCJQZXJjZW50YWdlQ29tcGxldGUiOm51bGwsIlN0eWxlIjp7IiRpZCI6IjI2OSIsIlNoYXBlIjoxLCJTaGFwZVRoaWNrbmVzcyI6MSwiRHVyYXRpb25Gb3JtYXQiOjAsIkluY2x1ZGVOb25Xb3JraW5nRGF5c0luRHVyYXRpb24iOmZhbHNlLCJQZXJjZW50YWdlQ29tcGxldGVTdHlsZSI6eyIkaWQiOiIyNzAiLCJGb250U2V0dGluZ3MiOnsiJGlkIjoiMjcxIiwiRm9udFNpemUiOjEwLCJGb250TmFtZSI6IkNhbGlicmkiLCJJc0JvbGQiOmZhbHNlLCJJc0l0YWxpYyI6ZmFsc2UsIklzVW5kZXJsaW5lZCI6ZmFsc2UsIlBhcmVudFN0eWxlIjpudWxsfSwiQXV0b1NpemUiOjAsIkZvcmVncm91bmQiOnsiJHJlZiI6IjEwIn0sIk1heFdpZHRoIjoyMDAuMCwiTWF4SGVpZ2h0IjoiSW5maW5pdHkiLCJTbWFydEZvcmVncm91bmRJc0FjdGl2ZSI6ZmFsc2UsIkhvcml6b250YWxBbGlnbm1lbnQiOjAsIlZlcnRpY2FsQWxpZ25tZW50IjowLCJTbWFydEZvcmVncm91bmQiOm51bGwsIkJhY2tncm91bmRGaWxsVHlwZSI6MCwiTWFyZ2luIjp7IiRyZWYiOiI2NyJ9LCJQYWRkaW5nIjp7IiRyZWYiOiI2OCJ9LCJCYWNrZ3JvdW5kIjp7IiRyZWYiOiI2OSJ9LCJJc1Zpc2libGUiOnRydWUsIldpZHRoIjowLjAsIkhlaWdodCI6MC4wLCJCb3JkZXJTdHlsZSI6eyIkaWQiOiIyNzIiLCJMaW5lQ29sb3IiOm51bGwsIkxpbmVXZWlnaHQiOjAuMCwiTGluZVR5cGUiOjAsIlBhcmVudFN0eWxlIjpudWxsfSwiUGFyZW50U3R5bGUiOm51bGx9LCJEdXJhdGlvblN0eWxlIjp7IiRpZCI6IjI3MyIsIkZvbnRTZXR0aW5ncyI6eyIkaWQiOiIyNzQiLCJGb250U2l6ZSI6MTAsIkZvbnROYW1lIjoiQ2FsaWJyaSIsIklzQm9sZCI6ZmFsc2UsIklzSXRhbGljIjpmYWxzZSwiSXNVbmRlcmxpbmVkIjpmYWxzZSwiUGFyZW50U3R5bGUiOm51bGx9LCJBdXRvU2l6ZSI6MCwiRm9yZWdyb3VuZCI6eyIkcmVmIjoiNzQifSwiTWF4V2lkdGgiOjIwMC4wLCJNYXhIZWlnaHQiOiJJbmZpbml0eSIsIlNtYXJ0Rm9yZWdyb3VuZElzQWN0aXZlIjpmYWxzZSwiSG9yaXpvbnRhbEFsaWdubWVudCI6MCwiVmVydGljYWxBbGlnbm1lbnQiOjAsIlNtYXJ0Rm9yZWdyb3VuZCI6bnVsbCwiQmFja2dyb3VuZEZpbGxUeXBlIjowLCJNYXJnaW4iOnsiJHJlZiI6Ijc2In0sIlBhZGRpbmciOnsiJHJlZiI6Ijc3In0sIkJhY2tncm91bmQiOnsiJHJlZiI6Ijc4In0sIklzVmlzaWJsZSI6dHJ1ZSwiV2lkdGgiOjAuMCwiSGVpZ2h0IjowLjAsIkJvcmRlclN0eWxlIjp7IiRpZCI6IjI3NSIsIkxpbmVDb2xvciI6bnVsbCwiTGluZVdlaWdodCI6MC4wLCJMaW5lVHlwZSI6MCwiUGFyZW50U3R5bGUiOm51bGx9LCJQYXJlbnRTdHlsZSI6bnVsbH0sIkhvcml6b250YWxDb25uZWN0b3JTdHlsZSI6eyIkaWQiOiIyNzYiLCJMaW5lQ29sb3IiOnsiJHJlZiI6IjgxIn0sIkxpbmVXZWlnaHQiOjEuMCwiTGluZVR5cGUiOjAsIlBhcmVudFN0eWxlIjpudWxsfSwiVmVydGljYWxDb25uZWN0b3JTdHlsZSI6eyIkaWQiOiIyNzciLCJMaW5lQ29sb3IiOnsiJHJlZiI6Ijg0In0sIkxpbmVXZWlnaHQiOjAuMCwiTGluZVR5cGUiOjAsIlBhcmVudFN0eWxlIjpudWxsfSwiTWFyZ2luIjpudWxsLCJTdGFydERhdGVQb3NpdGlvbiI6MywiRW5kRGF0ZVBvc2l0aW9uIjo0LCJEYXRlSXNWaXNpYmxlIjp0cnVlLCJUaXRsZVBvc2l0aW9uIjowLCJEdXJhdGlvblBvc2l0aW9uIjo2LCJQZXJjZW50YWdlQ29tcGxldGVkUG9zaXRpb24iOjYsIlNwYWNpbmciOjUsIklzQmVsb3dUaW1lYmFuZCI6dHJ1ZSwiUGVyY2VudGFnZUNvbXBsZXRlU2hhcGVPcGFjaXR5IjozNSwiU2hhcGVTdHlsZSI6eyIkaWQiOiIyNzgiLCJNYXJnaW4iOnsiJHJlZiI6Ijg3In0sIlBhZGRpbmciOnsiJHJlZiI6Ijg4In0sIkJhY2tncm91bmQiOnsiJGlkIjoiMjc5IiwiQ29sb3IiOnsiJGlkIjoiMjgwIiwiQSI6MjU1LCJSIjoyNiwiRyI6MTcwLCJCIjo2Nn19LCJJc1Zpc2libGUiOnRydWUsIldpZHRoIjowLjAsIkhlaWdodCI6MTYuMCwiQm9yZGVyU3R5bGUiOnsiJGlkIjoiMjgxIiwiTGluZUNvbG9yIjp7IiRpZCI6IjI4MiIsIiR0eXBlIjoiTkxSRS5Db21tb24uRG9tLlNvbGlkQ29sb3JCcnVzaCwgTkxSRS5Db21tb24iLCJDb2xvciI6eyIkaWQiOiIyODMiLCJBIjoyNTUsIlIiOjI1NSwiRyI6MCwiQiI6MH19LCJMaW5lV2VpZ2h0IjowLjAsIkxpbmVUeXBlIjowLCJQYXJlbnRTdHlsZSI6bnVsbH0sIlBhcmVudFN0eWxlIjpudWxsfSwiVGl0bGVTdHlsZSI6eyIkaWQiOiIyODQiLCJGb250U2V0dGluZ3MiOnsiJGlkIjoiMjg1IiwiRm9udFNpemUiOjExLCJGb250TmFtZSI6IkNhbGlicmkiLCJJc0JvbGQiOnRydWUsIklzSXRhbGljIjpmYWxzZSwiSXNVbmRlcmxpbmVkIjpmYWxzZSwiUGFyZW50U3R5bGUiOm51bGx9LCJBdXRvU2l6ZSI6MCwiRm9yZWdyb3VuZCI6eyIkaWQiOiIyODYiLCJDb2xvciI6eyIkaWQiOiIyODciLCJBIjoyNTUsIlIiOjAsIkciOjAsIkIiOjB9fSwiTWF4V2lkdGgiOjcyMC4wLCJNYXhIZWlnaHQiOiJJbmZpbml0eSIsIlNtYXJ0Rm9yZWdyb3VuZElzQWN0aXZlIjpmYWxzZSwiSG9yaXpvbnRhbEFsaWdubWVudCI6MCwiVmVydGljYWxBbGlnbm1lbnQiOjAsIlNtYXJ0Rm9yZWdyb3VuZCI6bnVsbCwiQmFja2dyb3VuZEZpbGxUeXBlIjowLCJNYXJnaW4iOnsiJHJlZiI6Ijk4In0sIlBhZGRpbmciOnsiJHJlZiI6Ijk5In0sIkJhY2tncm91bmQiOnsiJGlkIjoiMjg4IiwiQ29sb3IiOnsiJGlkIjoiMjg5IiwiQSI6MCwiUiI6MjU1LCJHIjoyNTUsIkIiOjI1NX19LCJJc1Zpc2libGUiOnRydWUsIldpZHRoIjowLjAsIkhlaWdodCI6MC4wLCJCb3JkZXJTdHlsZSI6eyIkaWQiOiIyOTAiLCJMaW5lQ29sb3IiOm51bGwsIkxpbmVXZWlnaHQiOjAuMCwiTGluZVR5cGUiOjAsIlBhcmVudFN0eWxlIjpudWxsfSwiUGFyZW50U3R5bGUiOm51bGx9LCJEYXRlU3R5bGUiOnsiJGlkIjoiMjkxIiwiRm9udFNldHRpbmdzIjp7IiRpZCI6IjI5MiIsIkZvbnRTaXplIjoxMCwiRm9udE5hbWUiOiJDYWxpYnJpIiwiSXNCb2xkIjpmYWxzZSwiSXNJdGFsaWMiOmZhbHNlLCJJc1VuZGVybGluZWQiOmZhbHNlLCJQYXJlbnRTdHlsZSI6bnVsbH0sIkF1dG9TaXplIjowLCJGb3JlZ3JvdW5kIjp7IiRpZCI6IjI5MyIsIkNvbG9yIjp7IiRpZCI6IjI5NCIsIkEiOjI1NSwiUiI6NjgsIkciOjg0LCJCIjoxMDZ9fSwiTWF4V2lkdGgiOjIwMC4wLCJNYXhIZWlnaHQiOiJJbmZpbml0eSIsIlNtYXJ0Rm9yZWdyb3VuZElzQWN0aXZlIjpmYWxzZSwiSG9yaXpvbnRhbEFsaWdubWVudCI6MSwiVmVydGljYWxBbGlnbm1lbnQiOjAsIlNtYXJ0Rm9yZWdyb3VuZCI6bnVsbCwiQmFja2dyb3VuZEZpbGxUeXBlIjowLCJNYXJnaW4iOnsiJHJlZiI6IjEwNyJ9LCJQYWRkaW5nIjp7IiRyZWYiOiIxMDgifSwiQmFja2dyb3VuZCI6eyIkaWQiOiIyOTUiLCJDb2xvciI6eyIkaWQiOiIyOTYiLCJBIjowLCJSIjoyNTUsIkciOjI1NSwiQiI6MjU1fX0sIklzVmlzaWJsZSI6dHJ1ZSwiV2lkdGgiOjAuMCwiSGVpZ2h0IjowLjAsIkJvcmRlclN0eWxlIjp7IiRpZCI6IjI5NyIsIkxpbmVDb2xvciI6bnVsbCwiTGluZVdlaWdodCI6MC4wLCJMaW5lVHlwZSI6MCwiUGFyZW50U3R5bGUiOm51bGx9LCJQYXJlbnRTdHlsZSI6bnVsbH0sIkRhdGVGb3JtYXQiOnsiJGlkIjoiMjk4IiwiRm9ybWF0U3RyaW5nIjoiTU1NIGQiLCJTZXBhcmF0b3IiOiIvIiwiVXNlSW50ZXJuYXRpb25hbERhdGVGb3JtYXQiOmZhbHNlLCJEYXRlSXNWaXNpYmxlIjp0cnVlLCJUaW1lSXNWaXNpYmxlIjpmYWxzZSwiSG91ckRpZ2l0cyI6MSwiQW1QbURlc2lnbmF0b3IiOjIsIlRyaW0wME1pbnV0ZXMiOmZhbHNlLCJMYXN0S25vd25WaXNpYmlsaXR5U3RhdGUiOm51bGx9LCJXZWVrTnVtYmVyaW5nIjp7IiRpZCI6IjI5OSIsIkZvcm1hdCI6MCwiSXNWaXNpYmxlIjpmYWxzZSwiTGFzdEtub3duVmlzaWJpbGl0eVN0YXRlIjpmYWxzZX0sIklzVmlzaWJsZSI6dHJ1ZSwiUGFyZW50U3R5bGUiOm51bGx9LCJJbmRleCI6NiwiU21hcnREdXJhdGlvbkFjdGl2YXRlZCI6ZmFsc2UsIkRhdGVGb3JtYXQiOnsiJHJlZiI6IjI5OCJ9LCJXZWVrTnVtYmVyaW5nIjp7IiRpZCI6IjMwMCIsIkZvcm1hdCI6MCwiSXNWaXNpYmxlIjpmYWxzZSwiTGFzdEtub3duVmlzaWJpbGl0eVN0YXRlIjpmYWxzZX0sIklkIjoiZWFlMDJmNmItNDQ5My00NDMxLTljYTgtYmIzMDVlZjg3NWEzIiwiSW1wb3J0SWQiOm51bGwsIlRpdGxlIjoiU2VxdWVuY2UgRGlhZ3JhbSIsIk5vdGUiOm51bGwsIkh5cGVybGluayI6eyIkaWQiOiIzMDEiLCJBZGRyZXNzIjoiIiwiU3ViQWRkcmVzcyI6IiJ9LCJJc0NoYW5nZWQiOmZhbHNlLCJJc05ldyI6ZmFsc2V9fV0sIl9taWxlc3RvbmVzIjpbXSwiSWQiOiIwMDAwMDAwMC0wMDAwLTAwMDAtMDAwMC0wMDAwMDAwMDAwMDAiLCJJc1NpbmdsZUl0ZW1Sb3ciOnRydWV9XSwiSW5kZXgiOjQsIklkIjoiZGMwNzZmY2QtZDFiZS00MjA3LWI1ZjktMzgxNWIzOGNkOTFlIiwiSGVhZGVyVGV4dCI6bnVsbCwiSXNEZWZhdWx0Ijp0cnVlLCJTdHlsZSI6eyIkaWQiOiIzMDIiLCJIZWFkZXJTdHlsZSI6eyIkaWQiOiIzMDMiLCJUZXh0U3R5bGUiOnsiJGlkIjoiMzA0IiwiRm9udFNldHRpbmdzIjp7IiRpZCI6IjMwNSIsIkZvbnRTaXplIjoxMSwiRm9udE5hbWUiOiJDYWxpYnJpIiwiSXNCb2xkIjpmYWxzZSwiSXNJdGFsaWMiOmZhbHNlLCJJc1VuZGVybGluZWQiOmZhbHNlLCJQYXJlbnRTdHlsZSI6bnVsbH0sIkF1dG9TaXplIjoyLCJGb3JlZ3JvdW5kIjp7IiRpZCI6IjMwNiIsIkNvbG9yIjp7IiRpZCI6IjMwNyIsIkEiOjI1NSwiUiI6MCwiRyI6MCwiQiI6MH19LCJNYXhXaWR0aCI6MC4wLCJNYXhIZWlnaHQiOiJJbmZpbml0eSIsIlNtYXJ0Rm9yZWdyb3VuZElzQWN0aXZlIjpmYWxzZSwiSG9yaXpvbnRhbEFsaWdubWVudCI6MCwiVmVydGljYWxBbGlnbm1lbnQiOjAsIlNtYXJ0Rm9yZWdyb3VuZCI6bnVsbCwiQmFja2dyb3VuZEZpbGxUeXBlIjowLCJNYXJnaW4iOnsiJGlkIjoiMzA4IiwiVG9wIjowLjAsIkxlZnQiOjAuMCwiUmlnaHQiOjAuMCwiQm90dG9tIjowLjB9LCJQYWRkaW5nIjp7IiRpZCI6IjMwOSIsIlRvcCI6MC4wLCJMZWZ0IjowLjAsIlJpZ2h0IjowLjAsIkJvdHRvbSI6MC4wfSwiQmFja2dyb3VuZCI6bnVsbCwiSXNWaXNpYmxlIjp0cnVlLCJXaWR0aCI6MC4wLCJIZWlnaHQiOjAuMCwiQm9yZGVyU3R5bGUiOm51bGwsIlBhcmVudFN0eWxlIjpudWxsfSwiUmVjdGFuZ2xlU3R5bGUiOnsiJGlkIjoiMzEwIiwiTWFyZ2luIjp7IiRpZCI6IjMxMSIsIlRvcCI6MC4wLCJMZWZ0IjowLjAsIlJpZ2h0IjowLjAsIkJvdHRvbSI6MC4wfSwiUGFkZGluZyI6eyIkaWQiOiIzMTIiLCJUb3AiOjAuMCwiTGVmdCI6MC4wLCJSaWdodCI6MC4wLCJCb3R0b20iOjAuMH0sIkJhY2tncm91bmQiOnsiJGlkIjoiMzEzIiwiQ29sb3IiOnsiJGlkIjoiMzE0IiwiQSI6NjMsIlIiOjIzNywiRyI6MTI1LCJCIjo0OX19LCJJc1Zpc2libGUiOnRydWUsIldpZHRoIjowLjAsIkhlaWdodCI6MC4wLCJCb3JkZXJTdHlsZSI6eyIkaWQiOiIzMTUiLCJMaW5lQ29sb3IiOnsiJGlkIjoiMzE2IiwiJHR5cGUiOiJOTFJFLkNvbW1vbi5Eb20uU29saWRDb2xvckJydXNoLCBOTFJFLkNvbW1vbiIsIkNvbG9yIjp7IiRpZCI6IjMxNyIsIkEiOjI1NSwiUiI6MjU1LCJHIjowLCJCIjowfX0sIkxpbmVXZWlnaHQiOjAuMCwiTGluZVR5cGUiOjAsIlBhcmVudFN0eWxlIjpudWxsfSwiUGFyZW50U3R5bGUiOm51bGx9LCJNYXJnaW4iOnsiJGlkIjoiMzE4IiwiVG9wIjowLjAsIkxlZnQiOjAuMCwiUmlnaHQiOjAuMCwiQm90dG9tIjowLjB9LCJQYWRkaW5nIjp7IiRpZCI6IjMxOSIsIlRvcCI6MC4wLCJMZWZ0IjowLjAsIlJpZ2h0IjowLjAsIkJvdHRvbSI6MC4wfSwiQmFja2dyb3VuZCI6bnVsbCwiSXNWaXNpYmxlIjp0cnVlLCJXaWR0aCI6MC4wLCJIZWlnaHQiOjAuMCwiQm9yZGVyU3R5bGUiOm51bGwsIlBhcmVudFN0eWxlIjpudWxsfSwiQmFja2dyb3VuZFN0eWxlIjp7IiRpZCI6IjMyMCIsIk1hcmdpbiI6eyIkaWQiOiIzMjEiLCJUb3AiOjAuMCwiTGVmdCI6MC4wLCJSaWdodCI6MC4wLCJCb3R0b20iOjAuMH0sIlBhZGRpbmciOnsiJGlkIjoiMzIyIiwiVG9wIjowLjAsIkxlZnQiOjAuMCwiUmlnaHQiOjAuMCwiQm90dG9tIjowLjB9LCJCYWNrZ3JvdW5kIjp7IiRpZCI6IjMyMyIsIkNvbG9yIjp7IiRpZCI6IjMyNCIsIkEiOjUxLCJSIjoxNjUsIkciOjE2NSwiQiI6MTY1fX0sIklzVmlzaWJsZSI6dHJ1ZSwiV2lkdGgiOjAuMCwiSGVpZ2h0IjowLjAsIkJvcmRlclN0eWxlIjp7IiRpZCI6IjMyNSIsIkxpbmVDb2xvciI6eyIkaWQiOiIzMjYiLCIkdHlwZSI6Ik5MUkUuQ29tbW9uLkRvbS5Tb2xpZENvbG9yQnJ1c2gsIE5MUkUuQ29tbW9uIiwiQ29sb3IiOnsiJGlkIjoiMzI3IiwiQSI6MjU1LCJSIjoyNTUsIkciOjAsIkIiOjB9fSwiTGluZVdlaWdodCI6MC4wLCJMaW5lVHlwZSI6MCwiUGFyZW50U3R5bGUiOm51bGx9LCJQYXJlbnRTdHlsZSI6bnVsbH0sIk1hcmdpbiI6eyIkaWQiOiIzMjgiLCJUb3AiOjAuMCwiTGVmdCI6MC4wLCJSaWdodCI6MC4wLCJCb3R0b20iOjAuMH0sIlBhZGRpbmciOnsiJGlkIjoiMzI5IiwiVG9wIjowLjAsIkxlZnQiOjAuMCwiUmlnaHQiOjAuMCwiQm90dG9tIjowLjB9LCJJc1Zpc2libGUiOmZhbHNlLCJXaWR0aCI6MC4wLCJIZWlnaHQiOjAuMCwiQm9yZGVyU3R5bGUiOm51bGwsIlBhcmVudFN0eWxlIjpudWxsfX1dLCJJZCI6ImUyMGFjNmMzLWNhMGYtNDVkZC1iYjQ5LTViMThhYmExOGEzZCIsIkluZGV4Ijo0LCJIZWFkZXJUZXh0IjoiU29mdHdhcmUgQXJjaGl0ZWN0dXJlIiwiU3R5bGUiOnsiJGlkIjoiMzMwIiwiSGVhZGVyU3R5bGUiOnsiJGlkIjoiMzMxIiwiVGV4dElzVmVydGljYWwiOmZhbHNlLCJUZXh0U3R5bGUiOnsiJGlkIjoiMzMyIiwiRm9udFNldHRpbmdzIjp7IiRpZCI6IjMzMyIsIkZvbnRTaXplIjoxMiwiRm9udE5hbWUiOiJDYWxpYnJpIiwiSXNCb2xkIjpmYWxzZSwiSXNJdGFsaWMiOmZhbHNlLCJJc1VuZGVybGluZWQiOmZhbHNlLCJQYXJlbnRTdHlsZSI6bnVsbH0sIkF1dG9TaXplIjoyLCJGb3JlZ3JvdW5kIjp7IiRyZWYiOiIyMDMifSwiTWF4V2lkdGgiOjE2MC4wLCJNYXhIZWlnaHQiOiJJbmZpbml0eSIsIlNtYXJ0Rm9yZWdyb3VuZElzQWN0aXZlIjpmYWxzZSwiSG9yaXpvbnRhbEFsaWdubWVudCI6MCwiVmVydGljYWxBbGlnbm1lbnQiOjAsIlNtYXJ0Rm9yZWdyb3VuZCI6bnVsbCwiQmFja2dyb3VuZEZpbGxUeXBlIjowLCJNYXJnaW4iOnsiJHJlZiI6IjIwNSJ9LCJQYWRkaW5nIjp7IiRyZWYiOiIyMDYifSwiQmFja2dyb3VuZCI6bnVsbCwiSXNWaXNpYmxlIjp0cnVlLCJXaWR0aCI6MC4wLCJIZWlnaHQiOjAuMCwiQm9yZGVyU3R5bGUiOm51bGwsIlBhcmVudFN0eWxlIjpudWxsfSwiUmVjdGFuZ2xlU3R5bGUiOnsiJGlkIjoiMzM0IiwiTWFyZ2luIjp7IiRpZCI6IjMzNSIsIlRvcCI6MC4wLCJMZWZ0IjowLjAsIlJpZ2h0IjowLjAsIkJvdHRvbSI6MC4wfSwiUGFkZGluZyI6eyIkaWQiOiIzMzYiLCJUb3AiOjAuMCwiTGVmdCI6MC4wLCJSaWdodCI6MC4wLCJCb3R0b20iOjAuMH0sIkJhY2tncm91bmQiOnsiJGlkIjoiMzM3IiwiQ29sb3IiOnsiJGlkIjoiMzM4IiwiQSI6MjU1LCJSIjoyMzcsIkciOjEyNSwiQiI6NDl9fSwiSXNWaXNpYmxlIjp0cnVlLCJXaWR0aCI6MC4wLCJIZWlnaHQiOjAuMCwiQm9yZGVyU3R5bGUiOnsiJGlkIjoiMzM5IiwiTGluZUNvbG9yIjp7IiRpZCI6IjM0MCIsIiR0eXBlIjoiTkxSRS5Db21tb24uRG9tLlNvbGlkQ29sb3JCcnVzaCwgTkxSRS5Db21tb24iLCJDb2xvciI6eyIkaWQiOiIzNDEiLCJBIjoyNTUsIlIiOjI1NSwiRyI6MCwiQiI6MH19LCJMaW5lV2VpZ2h0IjowLjAsIkxpbmVUeXBlIjowLCJQYXJlbnRTdHlsZSI6bnVsbH0sIlBhcmVudFN0eWxlIjpudWxsfSwiTWFyZ2luIjp7IiRpZCI6IjM0MiIsIlRvcCI6MC4wLCJMZWZ0IjowLjAsIlJpZ2h0IjowLjAsIkJvdHRvbSI6MC4wfSwiUGFkZGluZyI6eyIkaWQiOiIzNDMiLCJUb3AiOjAuMCwiTGVmdCI6MC4wLCJSaWdodCI6MC4wLCJCb3R0b20iOjAuMH0sIkJhY2tncm91bmQiOm51bGwsIklzVmlzaWJsZSI6dHJ1ZSwiV2lkdGgiOjAuMCwiSGVpZ2h0IjowLjAsIkJvcmRlclN0eWxlIjpudWxsLCJQYXJlbnRTdHlsZSI6bnVsbH0sIkJhY2tncm91bmRTdHlsZSI6eyIkaWQiOiIzNDQiLCJNYXJnaW4iOnsiJGlkIjoiMzQ1IiwiVG9wIjowLjAsIkxlZnQiOjAuMCwiUmlnaHQiOjAuMCwiQm90dG9tIjowLjB9LCJQYWRkaW5nIjp7IiRpZCI6IjM0NiIsIlRvcCI6MC4wLCJMZWZ0IjowLjAsIlJpZ2h0IjowLjAsIkJvdHRvbSI6MC4wfSwiQmFja2dyb3VuZCI6eyIkaWQiOiIzNDciLCJDb2xvciI6eyIkaWQiOiIzNDgiLCJBIjo1MSwiUiI6MTY1LCJHIjoxNjUsIkIiOjE2NX19LCJJc1Zpc2libGUiOnRydWUsIldpZHRoIjowLjAsIkhlaWdodCI6MC4wLCJCb3JkZXJTdHlsZSI6eyIkaWQiOiIzNDkiLCJMaW5lQ29sb3IiOnsiJGlkIjoiMzUwIiwiJHR5cGUiOiJOTFJFLkNvbW1vbi5Eb20uU29saWRDb2xvckJydXNoLCBOTFJFLkNvbW1vbiIsIkNvbG9yIjp7IiRpZCI6IjM1MSIsIkEiOjI1NSwiUiI6MjU1LCJHIjowLCJCIjowfX0sIkxpbmVXZWlnaHQiOjAuMCwiTGluZVR5cGUiOjAsIlBhcmVudFN0eWxlIjpudWxsfSwiUGFyZW50U3R5bGUiOm51bGx9LCJJc0Fib3ZlVGltZWJhbmQiOmZhbHNlLCJNYXJnaW4iOnsiJGlkIjoiMzUyIiwiVG9wIjowLjAsIkxlZnQiOjAuMCwiUmlnaHQiOjAuMCwiQm90dG9tIjowLjB9LCJQYWRkaW5nIjp7IiRpZCI6IjM1MyIsIlRvcCI6MC4wLCJMZWZ0IjowLjAsIlJpZ2h0IjowLjAsIkJvdHRvbSI6MC4wfSwiSXNWaXNpYmxlIjp0cnVlLCJXaWR0aCI6MC4wLCJIZWlnaHQiOjAuMCwiQm9yZGVyU3R5bGUiOnsiJGlkIjoiMzU0IiwiTGluZUNvbG9yIjpudWxsLCJMaW5lV2VpZ2h0IjowLjAsIkxpbmVUeXBlIjowLCJQYXJlbnRTdHlsZSI6bnVsbH0sIlBhcmVudFN0eWxlIjpudWxsfX0seyIkaWQiOiIzNTUiLCJfYWN0aXZpdGllcyI6W3siJGlkIjoiMzU2IiwiX3Jvd3MiOlt7IiRpZCI6IjM1NyIsIl90YXNrcyI6W3siJGlkIjoiMzU4IiwiX2F0dGFjaGVkTWlsZXN0b25lcyI6W10sIlRhc2tEZWZpbml0aW9uIjp7IiRpZCI6IjM1OSIsIkdyb3VwTmFtZSI6bnVsbCwiU3RhcnREYXRlIjoiMjAyMi0wNC0yNFQwMDowMDowMFoiLCJFbmREYXRlIjoiMjAyMi0wNC0yOVQyMzo1OTowMFoiLCJQZXJjZW50YWdlQ29tcGxldGUiOm51bGwsIlN0eWxlIjp7IiRpZCI6IjM2MCIsIlNoYXBlIjoxLCJTaGFwZVRoaWNrbmVzcyI6MSwiRHVyYXRpb25Gb3JtYXQiOjAsIkluY2x1ZGVOb25Xb3JraW5nRGF5c0luRHVyYXRpb24iOmZhbHNlLCJQZXJjZW50YWdlQ29tcGxldGVTdHlsZSI6eyIkaWQiOiIzNjEiLCJGb250U2V0dGluZ3MiOnsiJGlkIjoiMzYyIiwiRm9udFNpemUiOjEwLCJGb250TmFtZSI6IkNhbGlicmkiLCJJc0JvbGQiOmZhbHNlLCJJc0l0YWxpYyI6ZmFsc2UsIklzVW5kZXJsaW5lZCI6ZmFsc2UsIlBhcmVudFN0eWxlIjpudWxsfSwiQXV0b1NpemUiOjAsIkZvcmVncm91bmQiOnsiJHJlZiI6IjEwIn0sIk1heFdpZHRoIjoyMDAuMCwiTWF4SGVpZ2h0IjoiSW5maW5pdHkiLCJTbWFydEZvcmVncm91bmRJc0FjdGl2ZSI6ZmFsc2UsIkhvcml6b250YWxBbGlnbm1lbnQiOjAsIlZlcnRpY2FsQWxpZ25tZW50IjowLCJTbWFydEZvcmVncm91bmQiOm51bGwsIkJhY2tncm91bmRGaWxsVHlwZSI6MCwiTWFyZ2luIjp7IiRyZWYiOiI2NyJ9LCJQYWRkaW5nIjp7IiRyZWYiOiI2OCJ9LCJCYWNrZ3JvdW5kIjp7IiRyZWYiOiI2OSJ9LCJJc1Zpc2libGUiOnRydWUsIldpZHRoIjowLjAsIkhlaWdodCI6MC4wLCJCb3JkZXJTdHlsZSI6eyIkaWQiOiIzNjMiLCJMaW5lQ29sb3IiOm51bGwsIkxpbmVXZWlnaHQiOjAuMCwiTGluZVR5cGUiOjAsIlBhcmVudFN0eWxlIjpudWxsfSwiUGFyZW50U3R5bGUiOm51bGx9LCJEdXJhdGlvblN0eWxlIjp7IiRpZCI6IjM2NCIsIkZvbnRTZXR0aW5ncyI6eyIkaWQiOiIzNjUiLCJGb250U2l6ZSI6MTAsIkZvbnROYW1lIjoiQ2FsaWJyaSIsIklzQm9sZCI6ZmFsc2UsIklzSXRhbGljIjpmYWxzZSwiSXNVbmRlcmxpbmVkIjpmYWxzZSwiUGFyZW50U3R5bGUiOm51bGx9LCJBdXRvU2l6ZSI6MCwiRm9yZWdyb3VuZCI6eyIkcmVmIjoiNzQifSwiTWF4V2lkdGgiOjIwMC4wLCJNYXhIZWlnaHQiOiJJbmZpbml0eSIsIlNtYXJ0Rm9yZWdyb3VuZElzQWN0aXZlIjpmYWxzZSwiSG9yaXpvbnRhbEFsaWdubWVudCI6MCwiVmVydGljYWxBbGlnbm1lbnQiOjAsIlNtYXJ0Rm9yZWdyb3VuZCI6bnVsbCwiQmFja2dyb3VuZEZpbGxUeXBlIjowLCJNYXJnaW4iOnsiJHJlZiI6Ijc2In0sIlBhZGRpbmciOnsiJHJlZiI6Ijc3In0sIkJhY2tncm91bmQiOnsiJHJlZiI6Ijc4In0sIklzVmlzaWJsZSI6dHJ1ZSwiV2lkdGgiOjAuMCwiSGVpZ2h0IjowLjAsIkJvcmRlclN0eWxlIjp7IiRpZCI6IjM2NiIsIkxpbmVDb2xvciI6bnVsbCwiTGluZVdlaWdodCI6MC4wLCJMaW5lVHlwZSI6MCwiUGFyZW50U3R5bGUiOm51bGx9LCJQYXJlbnRTdHlsZSI6bnVsbH0sIkhvcml6b250YWxDb25uZWN0b3JTdHlsZSI6eyIkaWQiOiIzNjciLCJMaW5lQ29sb3IiOnsiJHJlZiI6IjgxIn0sIkxpbmVXZWlnaHQiOjEuMCwiTGluZVR5cGUiOjAsIlBhcmVudFN0eWxlIjpudWxsfSwiVmVydGljYWxDb25uZWN0b3JTdHlsZSI6eyIkaWQiOiIzNjgiLCJMaW5lQ29sb3IiOnsiJHJlZiI6Ijg0In0sIkxpbmVXZWlnaHQiOjAuMCwiTGluZVR5cGUiOjAsIlBhcmVudFN0eWxlIjpudWxsfSwiTWFyZ2luIjpudWxsLCJTdGFydERhdGVQb3NpdGlvbiI6MywiRW5kRGF0ZVBvc2l0aW9uIjo0LCJEYXRlSXNWaXNpYmxlIjp0cnVlLCJUaXRsZVBvc2l0aW9uIjowLCJEdXJhdGlvblBvc2l0aW9uIjo2LCJQZXJjZW50YWdlQ29tcGxldGVkUG9zaXRpb24iOjYsIlNwYWNpbmciOjUsIklzQmVsb3dUaW1lYmFuZCI6dHJ1ZSwiUGVyY2VudGFnZUNvbXBsZXRlU2hhcGVPcGFjaXR5IjozNSwiU2hhcGVTdHlsZSI6eyIkaWQiOiIzNjkiLCJNYXJnaW4iOnsiJHJlZiI6Ijg3In0sIlBhZGRpbmciOnsiJHJlZiI6Ijg4In0sIkJhY2tncm91bmQiOnsiJGlkIjoiMzcwIiwiQ29sb3IiOnsiJGlkIjoiMzcxIiwiQSI6MjU1LCJSIjoyNiwiRyI6MTcwLCJCIjo2Nn19LCJJc1Zpc2libGUiOnRydWUsIldpZHRoIjowLjAsIkhlaWdodCI6MTYuMCwiQm9yZGVyU3R5bGUiOnsiJGlkIjoiMzcyIiwiTGluZUNvbG9yIjp7IiRyZWYiOiIyNDYifSwiTGluZVdlaWdodCI6MC4wLCJMaW5lVHlwZSI6MCwiUGFyZW50U3R5bGUiOm51bGx9LCJQYXJlbnRTdHlsZSI6bnVsbH0sIlRpdGxlU3R5bGUiOnsiJGlkIjoiMzczIiwiRm9udFNldHRpbmdzIjp7IiRpZCI6IjM3NCIsIkZvbnRTaXplIjoxMSwiRm9udE5hbWUiOiJDYWxpYnJpIiwiSXNCb2xkIjp0cnVlLCJJc0l0YWxpYyI6ZmFsc2UsIklzVW5kZXJsaW5lZCI6ZmFsc2UsIlBhcmVudFN0eWxlIjpudWxsfSwiQXV0b1NpemUiOjAsIkZvcmVncm91bmQiOnsiJGlkIjoiMzc1IiwiQ29sb3IiOnsiJGlkIjoiMzc2IiwiQSI6MjU1LCJSIjowLCJHIjowLCJCIjowfX0sIk1heFdpZHRoIjo3MjAuMCwiTWF4SGVpZ2h0IjoiSW5maW5pdHkiLCJTbWFydEZvcmVncm91bmRJc0FjdGl2ZSI6ZmFsc2UsIkhvcml6b250YWxBbGlnbm1lbnQiOjAsIlZlcnRpY2FsQWxpZ25tZW50IjowLCJTbWFydEZvcmVncm91bmQiOm51bGwsIkJhY2tncm91bmRGaWxsVHlwZSI6MCwiTWFyZ2luIjp7IiRyZWYiOiI5OCJ9LCJQYWRkaW5nIjp7IiRyZWYiOiI5OSJ9LCJCYWNrZ3JvdW5kIjp7IiRpZCI6IjM3NyIsIkNvbG9yIjp7IiRpZCI6IjM3OCIsIkEiOjAsIlIiOjI1NSwiRyI6MjU1LCJCIjoyNTV9fSwiSXNWaXNpYmxlIjp0cnVlLCJXaWR0aCI6MC4wLCJIZWlnaHQiOjAuMCwiQm9yZGVyU3R5bGUiOnsiJGlkIjoiMzc5IiwiTGluZUNvbG9yIjpudWxsLCJMaW5lV2VpZ2h0IjowLjAsIkxpbmVUeXBlIjowLCJQYXJlbnRTdHlsZSI6bnVsbH0sIlBhcmVudFN0eWxlIjpudWxsfSwiRGF0ZVN0eWxlIjp7IiRpZCI6IjM4MCIsIkZvbnRTZXR0aW5ncyI6eyIkaWQiOiIzODEiLCJGb250U2l6ZSI6MTAsIkZvbnROYW1lIjoiQ2FsaWJyaSIsIklzQm9sZCI6ZmFsc2UsIklzSXRhbGljIjpmYWxzZSwiSXNVbmRlcmxpbmVkIjpmYWxzZSwiUGFyZW50U3R5bGUiOm51bGx9LCJBdXRvU2l6ZSI6MCwiRm9yZWdyb3VuZCI6eyIkaWQiOiIzODIiLCJDb2xvciI6eyIkaWQiOiIzODMiLCJBIjoyNTUsIlIiOjY4LCJHIjo4NCwiQiI6MTA2fX0sIk1heFdpZHRoIjoyMDAuMCwiTWF4SGVpZ2h0IjoiSW5maW5pdHkiLCJTbWFydEZvcmVncm91bmRJc0FjdGl2ZSI6ZmFsc2UsIkhvcml6b250YWxBbGlnbm1lbnQiOjEsIlZlcnRpY2FsQWxpZ25tZW50IjowLCJTbWFydEZvcmVncm91bmQiOm51bGwsIkJhY2tncm91bmRGaWxsVHlwZSI6MCwiTWFyZ2luIjp7IiRyZWYiOiIxMDcifSwiUGFkZGluZyI6eyIkcmVmIjoiMTA4In0sIkJhY2tncm91bmQiOnsiJGlkIjoiMzg0IiwiQ29sb3IiOnsiJGlkIjoiMzg1IiwiQSI6MCwiUiI6MjU1LCJHIjoyNTUsIkIiOjI1NX19LCJJc1Zpc2libGUiOnRydWUsIldpZHRoIjowLjAsIkhlaWdodCI6MC4wLCJCb3JkZXJTdHlsZSI6eyIkaWQiOiIzODYiLCJMaW5lQ29sb3IiOm51bGwsIkxpbmVXZWlnaHQiOjAuMCwiTGluZVR5cGUiOjAsIlBhcmVudFN0eWxlIjpudWxsfSwiUGFyZW50U3R5bGUiOm51bGx9LCJEYXRlRm9ybWF0Ijp7IiRyZWYiOiIyNjIifSwiV2Vla051bWJlcmluZyI6eyIkaWQiOiIzODciLCJGb3JtYXQiOjAsIklzVmlzaWJsZSI6ZmFsc2UsIkxhc3RLbm93blZpc2liaWxpdHlTdGF0ZSI6ZmFsc2V9LCJJc1Zpc2libGUiOnRydWUsIlBhcmVudFN0eWxlIjpudWxsfSwiSW5kZXgiOjgsIlNtYXJ0RHVyYXRpb25BY3RpdmF0ZWQiOmZhbHNlLCJEYXRlRm9ybWF0Ijp7IiRyZWYiOiIyNjIifSwiV2Vla051bWJlcmluZyI6eyIkaWQiOiIzODgiLCJGb3JtYXQiOjAsIklzVmlzaWJsZSI6ZmFsc2UsIkxhc3RLbm93blZpc2liaWxpdHlTdGF0ZSI6ZmFsc2V9LCJJZCI6IjBiMDY5YWM5LTFmZTUtNDkxMi04Y2JjLTVhNzE5NTc1ODAzYyIsIkltcG9ydElkIjpudWxsLCJUaXRsZSI6Ik1ha2UgVHJhY2VhYmlsaXR5ICBNYXRyaXgiLCJOb3RlIjpudWxsLCJIeXBlcmxpbmsiOnsiJGlkIjoiMzg5IiwiQWRkcmVzcyI6IiIsIlN1YkFkZHJlc3MiOiIifSwiSXNDaGFuZ2VkIjpmYWxzZSwiSXNOZXciOmZhbHNlfX1dLCJfbWlsZXN0b25lcyI6W10sIklkIjoiMDAwMDAwMDAtMDAwMC0wMDAwLTAwMDAtMDAwMDAwMDAwMDAwIiwiSXNTaW5nbGVJdGVtUm93Ijp0cnVlfSx7IiRpZCI6IjM5MCIsIl90YXNrcyI6W3siJGlkIjoiMzkxIiwiX2F0dGFjaGVkTWlsZXN0b25lcyI6W10sIlRhc2tEZWZpbml0aW9uIjp7IiRpZCI6IjM5MiIsIkdyb3VwTmFtZSI6bnVsbCwiU3RhcnREYXRlIjoiMjAyMi0wNC0yNVQwMDowMDowMFoiLCJFbmREYXRlIjoiMjAyMi0wNC0yNVQyMzo1OTowMFoiLCJQZXJjZW50YWdlQ29tcGxldGUiOm51bGwsIlN0eWxlIjp7IiRpZCI6IjM5MyIsIlNoYXBlIjoxLCJTaGFwZVRoaWNrbmVzcyI6MSwiRHVyYXRpb25Gb3JtYXQiOjAsIkluY2x1ZGVOb25Xb3JraW5nRGF5c0luRHVyYXRpb24iOmZhbHNlLCJQZXJjZW50YWdlQ29tcGxldGVTdHlsZSI6eyIkaWQiOiIzOTQiLCJGb250U2V0dGluZ3MiOnsiJGlkIjoiMzk1IiwiRm9udFNpemUiOjEwLCJGb250TmFtZSI6IkNhbGlicmkiLCJJc0JvbGQiOmZhbHNlLCJJc0l0YWxpYyI6ZmFsc2UsIklzVW5kZXJsaW5lZCI6ZmFsc2UsIlBhcmVudFN0eWxlIjpudWxsfSwiQXV0b1NpemUiOjAsIkZvcmVncm91bmQiOnsiJHJlZiI6IjEwIn0sIk1heFdpZHRoIjoyMDAuMCwiTWF4SGVpZ2h0IjoiSW5maW5pdHkiLCJTbWFydEZvcmVncm91bmRJc0FjdGl2ZSI6ZmFsc2UsIkhvcml6b250YWxBbGlnbm1lbnQiOjAsIlZlcnRpY2FsQWxpZ25tZW50IjowLCJTbWFydEZvcmVncm91bmQiOm51bGwsIkJhY2tncm91bmRGaWxsVHlwZSI6MCwiTWFyZ2luIjp7IiRyZWYiOiI2NyJ9LCJQYWRkaW5nIjp7IiRyZWYiOiI2OCJ9LCJCYWNrZ3JvdW5kIjp7IiRyZWYiOiI2OSJ9LCJJc1Zpc2libGUiOnRydWUsIldpZHRoIjowLjAsIkhlaWdodCI6MC4wLCJCb3JkZXJTdHlsZSI6eyIkaWQiOiIzOTYiLCJMaW5lQ29sb3IiOm51bGwsIkxpbmVXZWlnaHQiOjAuMCwiTGluZVR5cGUiOjAsIlBhcmVudFN0eWxlIjpudWxsfSwiUGFyZW50U3R5bGUiOm51bGx9LCJEdXJhdGlvblN0eWxlIjp7IiRpZCI6IjM5NyIsIkZvbnRTZXR0aW5ncyI6eyIkaWQiOiIzOTgiLCJGb250U2l6ZSI6MTAsIkZvbnROYW1lIjoiQ2FsaWJyaSIsIklzQm9sZCI6ZmFsc2UsIklzSXRhbGljIjpmYWxzZSwiSXNVbmRlcmxpbmVkIjpmYWxzZSwiUGFyZW50U3R5bGUiOm51bGx9LCJBdXRvU2l6ZSI6MCwiRm9yZWdyb3VuZCI6eyIkcmVmIjoiNzQifSwiTWF4V2lkdGgiOjIwMC4wLCJNYXhIZWlnaHQiOiJJbmZpbml0eSIsIlNtYXJ0Rm9yZWdyb3VuZElzQWN0aXZlIjpmYWxzZSwiSG9yaXpvbnRhbEFsaWdubWVudCI6MCwiVmVydGljYWxBbGlnbm1lbnQiOjAsIlNtYXJ0Rm9yZWdyb3VuZCI6bnVsbCwiQmFja2dyb3VuZEZpbGxUeXBlIjowLCJNYXJnaW4iOnsiJHJlZiI6Ijc2In0sIlBhZGRpbmciOnsiJHJlZiI6Ijc3In0sIkJhY2tncm91bmQiOnsiJHJlZiI6Ijc4In0sIklzVmlzaWJsZSI6dHJ1ZSwiV2lkdGgiOjAuMCwiSGVpZ2h0IjowLjAsIkJvcmRlclN0eWxlIjp7IiRpZCI6IjM5OSIsIkxpbmVDb2xvciI6bnVsbCwiTGluZVdlaWdodCI6MC4wLCJMaW5lVHlwZSI6MCwiUGFyZW50U3R5bGUiOm51bGx9LCJQYXJlbnRTdHlsZSI6bnVsbH0sIkhvcml6b250YWxDb25uZWN0b3JTdHlsZSI6eyIkaWQiOiI0MDAiLCJMaW5lQ29sb3IiOnsiJHJlZiI6IjgxIn0sIkxpbmVXZWlnaHQiOjEuMCwiTGluZVR5cGUiOjAsIlBhcmVudFN0eWxlIjpudWxsfSwiVmVydGljYWxDb25uZWN0b3JTdHlsZSI6eyIkaWQiOiI0MDEiLCJMaW5lQ29sb3IiOnsiJHJlZiI6Ijg0In0sIkxpbmVXZWlnaHQiOjAuMCwiTGluZVR5cGUiOjAsIlBhcmVudFN0eWxlIjpudWxsfSwiTWFyZ2luIjpudWxsLCJTdGFydERhdGVQb3NpdGlvbiI6MywiRW5kRGF0ZVBvc2l0aW9uIjo0LCJEYXRlSXNWaXNpYmxlIjp0cnVlLCJUaXRsZVBvc2l0aW9uIjowLCJEdXJhdGlvblBvc2l0aW9uIjo2LCJQZXJjZW50YWdlQ29tcGxldGVkUG9zaXRpb24iOjYsIlNwYWNpbmciOjUsIklzQmVsb3dUaW1lYmFuZCI6dHJ1ZSwiUGVyY2VudGFnZUNvbXBsZXRlU2hhcGVPcGFjaXR5IjozNSwiU2hhcGVTdHlsZSI6eyIkaWQiOiI0MDIiLCJNYXJnaW4iOnsiJHJlZiI6Ijg3In0sIlBhZGRpbmciOnsiJHJlZiI6Ijg4In0sIkJhY2tncm91bmQiOnsiJGlkIjoiNDAzIiwiQ29sb3IiOnsiJGlkIjoiNDA0IiwiQSI6MjU1LCJSIjoyNiwiRyI6MTcwLCJCIjo2Nn19LCJJc1Zpc2libGUiOnRydWUsIldpZHRoIjowLjAsIkhlaWdodCI6MTYuMCwiQm9yZGVyU3R5bGUiOnsiJGlkIjoiNDA1IiwiTGluZUNvbG9yIjp7IiRyZWYiOiIyNDYifSwiTGluZVdlaWdodCI6MC4wLCJMaW5lVHlwZSI6MCwiUGFyZW50U3R5bGUiOm51bGx9LCJQYXJlbnRTdHlsZSI6bnVsbH0sIlRpdGxlU3R5bGUiOnsiJGlkIjoiNDA2IiwiRm9udFNldHRpbmdzIjp7IiRpZCI6IjQwNyIsIkZvbnRTaXplIjoxMSwiRm9udE5hbWUiOiJDYWxpYnJpIiwiSXNCb2xkIjp0cnVlLCJJc0l0YWxpYyI6ZmFsc2UsIklzVW5kZXJsaW5lZCI6ZmFsc2UsIlBhcmVudFN0eWxlIjpudWxsfSwiQXV0b1NpemUiOjAsIkZvcmVncm91bmQiOnsiJGlkIjoiNDA4IiwiQ29sb3IiOnsiJGlkIjoiNDA5IiwiQSI6MjU1LCJSIjowLCJHIjowLCJCIjowfX0sIk1heFdpZHRoIjo3MjAuMCwiTWF4SGVpZ2h0IjoiSW5maW5pdHkiLCJTbWFydEZvcmVncm91bmRJc0FjdGl2ZSI6ZmFsc2UsIkhvcml6b250YWxBbGlnbm1lbnQiOjAsIlZlcnRpY2FsQWxpZ25tZW50IjowLCJTbWFydEZvcmVncm91bmQiOm51bGwsIkJhY2tncm91bmRGaWxsVHlwZSI6MCwiTWFyZ2luIjp7IiRyZWYiOiI5OCJ9LCJQYWRkaW5nIjp7IiRyZWYiOiI5OSJ9LCJCYWNrZ3JvdW5kIjp7IiRpZCI6IjQxMCIsIkNvbG9yIjp7IiRpZCI6IjQxMSIsIkEiOjAsIlIiOjI1NSwiRyI6MjU1LCJCIjoyNTV9fSwiSXNWaXNpYmxlIjp0cnVlLCJXaWR0aCI6MC4wLCJIZWlnaHQiOjAuMCwiQm9yZGVyU3R5bGUiOnsiJGlkIjoiNDEyIiwiTGluZUNvbG9yIjpudWxsLCJMaW5lV2VpZ2h0IjowLjAsIkxpbmVUeXBlIjowLCJQYXJlbnRTdHlsZSI6bnVsbH0sIlBhcmVudFN0eWxlIjpudWxsfSwiRGF0ZVN0eWxlIjp7IiRpZCI6IjQxMyIsIkZvbnRTZXR0aW5ncyI6eyIkaWQiOiI0MTQiLCJGb250U2l6ZSI6MTAsIkZvbnROYW1lIjoiQ2FsaWJyaSIsIklzQm9sZCI6ZmFsc2UsIklzSXRhbGljIjpmYWxzZSwiSXNVbmRlcmxpbmVkIjpmYWxzZSwiUGFyZW50U3R5bGUiOm51bGx9LCJBdXRvU2l6ZSI6MCwiRm9yZWdyb3VuZCI6eyIkaWQiOiI0MTUiLCJDb2xvciI6eyIkaWQiOiI0MTYiLCJBIjoyNTUsIlIiOjY4LCJHIjo4NCwiQiI6MTA2fX0sIk1heFdpZHRoIjoyMDAuMCwiTWF4SGVpZ2h0IjoiSW5maW5pdHkiLCJTbWFydEZvcmVncm91bmRJc0FjdGl2ZSI6ZmFsc2UsIkhvcml6b250YWxBbGlnbm1lbnQiOjEsIlZlcnRpY2FsQWxpZ25tZW50IjowLCJTbWFydEZvcmVncm91bmQiOm51bGwsIkJhY2tncm91bmRGaWxsVHlwZSI6MCwiTWFyZ2luIjp7IiRyZWYiOiIxMDcifSwiUGFkZGluZyI6eyIkcmVmIjoiMTA4In0sIkJhY2tncm91bmQiOnsiJGlkIjoiNDE3IiwiQ29sb3IiOnsiJGlkIjoiNDE4IiwiQSI6MCwiUiI6MjU1LCJHIjoyNTUsIkIiOjI1NX19LCJJc1Zpc2libGUiOnRydWUsIldpZHRoIjowLjAsIkhlaWdodCI6MC4wLCJCb3JkZXJTdHlsZSI6eyIkaWQiOiI0MTkiLCJMaW5lQ29sb3IiOm51bGwsIkxpbmVXZWlnaHQiOjAuMCwiTGluZVR5cGUiOjAsIlBhcmVudFN0eWxlIjpudWxsfSwiUGFyZW50U3R5bGUiOm51bGx9LCJEYXRlRm9ybWF0Ijp7IiRyZWYiOiIyNjIifSwiV2Vla051bWJlcmluZyI6eyIkaWQiOiI0MjAiLCJGb3JtYXQiOjAsIklzVmlzaWJsZSI6ZmFsc2UsIkxhc3RLbm93blZpc2liaWxpdHlTdGF0ZSI6ZmFsc2V9LCJJc1Zpc2libGUiOnRydWUsIlBhcmVudFN0eWxlIjpudWxsfSwiSW5kZXgiOjksIlNtYXJ0RHVyYXRpb25BY3RpdmF0ZWQiOmZhbHNlLCJEYXRlRm9ybWF0Ijp7IiRyZWYiOiIyNjIifSwiV2Vla051bWJlcmluZyI6eyIkaWQiOiI0MjEiLCJGb3JtYXQiOjAsIklzVmlzaWJsZSI6ZmFsc2UsIkxhc3RLbm93blZpc2liaWxpdHlTdGF0ZSI6ZmFsc2V9LCJJZCI6IjdmNThjZDQwLTExNDEtNDZkNy1hZjIyLWJlMDRkZmY1NTZiOSIsIkltcG9ydElkIjpudWxsLCJUaXRsZSI6IkVkaXRpdG5nIFNJUSIsIk5vdGUiOm51bGwsIkh5cGVybGluayI6eyIkaWQiOiI0MjIiLCJBZGRyZXNzIjoiIiwiU3ViQWRkcmVzcyI6IiJ9LCJJc0NoYW5nZWQiOmZhbHNlLCJJc05ldyI6ZmFsc2V9fV0sIl9taWxlc3RvbmVzIjpbXSwiSWQiOiIwMDAwMDAwMC0wMDAwLTAwMDAtMDAwMC0wMDAwMDAwMDAwMDAiLCJJc1NpbmdsZUl0ZW1Sb3ciOnRydWV9LHsiJGlkIjoiNDIzIiwiX3Rhc2tzIjpbeyIkaWQiOiI0MjQiLCJfYXR0YWNoZWRNaWxlc3RvbmVzIjpbXSwiVGFza0RlZmluaXRpb24iOnsiJGlkIjoiNDI1IiwiR3JvdXBOYW1lIjpudWxsLCJTdGFydERhdGUiOiIyMDIyLTA0LTI0VDAwOjAwOjAwWiIsIkVuZERhdGUiOiIyMDIyLTA0LTI2VDIzOjU5OjAwWiIsIlBlcmNlbnRhZ2VDb21wbGV0ZSI6bnVsbCwiU3R5bGUiOnsiJGlkIjoiNDI2IiwiU2hhcGUiOjEsIlNoYXBlVGhpY2tuZXNzIjoxLCJEdXJhdGlvbkZvcm1hdCI6MCwiSW5jbHVkZU5vbldvcmtpbmdEYXlzSW5EdXJhdGlvbiI6ZmFsc2UsIlBlcmNlbnRhZ2VDb21wbGV0ZVN0eWxlIjp7IiRpZCI6IjQyNyIsIkZvbnRTZXR0aW5ncyI6eyIkaWQiOiI0MjgiLCJGb250U2l6ZSI6MTAsIkZvbnROYW1lIjoiQ2FsaWJyaSIsIklzQm9sZCI6ZmFsc2UsIklzSXRhbGljIjpmYWxzZSwiSXNVbmRlcmxpbmVkIjpmYWxzZSwiUGFyZW50U3R5bGUiOm51bGx9LCJBdXRvU2l6ZSI6MCwiRm9yZWdyb3VuZCI6eyIkcmVmIjoiMTAifSwiTWF4V2lkdGgiOjIwMC4wLCJNYXhIZWlnaHQiOiJJbmZpbml0eSIsIlNtYXJ0Rm9yZWdyb3VuZElzQWN0aXZlIjpmYWxzZSwiSG9yaXpvbnRhbEFsaWdubWVudCI6MCwiVmVydGljYWxBbGlnbm1lbnQiOjAsIlNtYXJ0Rm9yZWdyb3VuZCI6bnVsbCwiQmFja2dyb3VuZEZpbGxUeXBlIjowLCJNYXJnaW4iOnsiJHJlZiI6IjY3In0sIlBhZGRpbmciOnsiJHJlZiI6IjY4In0sIkJhY2tncm91bmQiOnsiJHJlZiI6IjY5In0sIklzVmlzaWJsZSI6dHJ1ZSwiV2lkdGgiOjAuMCwiSGVpZ2h0IjowLjAsIkJvcmRlclN0eWxlIjp7IiRpZCI6IjQyOSIsIkxpbmVDb2xvciI6bnVsbCwiTGluZVdlaWdodCI6MC4wLCJMaW5lVHlwZSI6MCwiUGFyZW50U3R5bGUiOm51bGx9LCJQYXJlbnRTdHlsZSI6bnVsbH0sIkR1cmF0aW9uU3R5bGUiOnsiJGlkIjoiNDMwIiwiRm9udFNldHRpbmdzIjp7IiRpZCI6IjQzMSIsIkZvbnRTaXplIjoxMCwiRm9udE5hbWUiOiJDYWxpYnJpIiwiSXNCb2xkIjpmYWxzZSwiSXNJdGFsaWMiOmZhbHNlLCJJc1VuZGVybGluZWQiOmZhbHNlLCJQYXJlbnRTdHlsZSI6bnVsbH0sIkF1dG9TaXplIjowLCJGb3JlZ3JvdW5kIjp7IiRyZWYiOiI3NCJ9LCJNYXhXaWR0aCI6MjAwLjAsIk1heEhlaWdodCI6IkluZmluaXR5IiwiU21hcnRGb3JlZ3JvdW5kSXNBY3RpdmUiOmZhbHNlLCJIb3Jpem9udGFsQWxpZ25tZW50IjowLCJWZXJ0aWNhbEFsaWdubWVudCI6MCwiU21hcnRGb3JlZ3JvdW5kIjpudWxsLCJCYWNrZ3JvdW5kRmlsbFR5cGUiOjAsIk1hcmdpbiI6eyIkcmVmIjoiNzYifSwiUGFkZGluZyI6eyIkcmVmIjoiNzcifSwiQmFja2dyb3VuZCI6eyIkcmVmIjoiNzgifSwiSXNWaXNpYmxlIjp0cnVlLCJXaWR0aCI6MC4wLCJIZWlnaHQiOjAuMCwiQm9yZGVyU3R5bGUiOnsiJGlkIjoiNDMyIiwiTGluZUNvbG9yIjpudWxsLCJMaW5lV2VpZ2h0IjowLjAsIkxpbmVUeXBlIjowLCJQYXJlbnRTdHlsZSI6bnVsbH0sIlBhcmVudFN0eWxlIjpudWxsfSwiSG9yaXpvbnRhbENvbm5lY3RvclN0eWxlIjp7IiRpZCI6IjQzMyIsIkxpbmVDb2xvciI6eyIkcmVmIjoiODEifSwiTGluZVdlaWdodCI6MS4wLCJMaW5lVHlwZSI6MCwiUGFyZW50U3R5bGUiOm51bGx9LCJWZXJ0aWNhbENvbm5lY3RvclN0eWxlIjp7IiRpZCI6IjQzNCIsIkxpbmVDb2xvciI6eyIkcmVmIjoiODQifSwiTGluZVdlaWdodCI6MC4wLCJMaW5lVHlwZSI6MCwiUGFyZW50U3R5bGUiOm51bGx9LCJNYXJnaW4iOm51bGwsIlN0YXJ0RGF0ZVBvc2l0aW9uIjozLCJFbmREYXRlUG9zaXRpb24iOjQsIkRhdGVJc1Zpc2libGUiOnRydWUsIlRpdGxlUG9zaXRpb24iOjAsIkR1cmF0aW9uUG9zaXRpb24iOjYsIlBlcmNlbnRhZ2VDb21wbGV0ZWRQb3NpdGlvbiI6NiwiU3BhY2luZyI6NSwiSXNCZWxvd1RpbWViYW5kIjp0cnVlLCJQZXJjZW50YWdlQ29tcGxldGVTaGFwZU9wYWNpdHkiOjM1LCJTaGFwZVN0eWxlIjp7IiRpZCI6IjQzNSIsIk1hcmdpbiI6eyIkcmVmIjoiODcifSwiUGFkZGluZyI6eyIkcmVmIjoiODgifSwiQmFja2dyb3VuZCI6eyIkaWQiOiI0MzYiLCJDb2xvciI6eyIkaWQiOiI0MzciLCJBIjoyNTUsIlIiOjI2LCJHIjoxNzAsIkIiOjY2fX0sIklzVmlzaWJsZSI6dHJ1ZSwiV2lkdGgiOjAuMCwiSGVpZ2h0IjoxNi4wLCJCb3JkZXJTdHlsZSI6eyIkaWQiOiI0MzgiLCJMaW5lQ29sb3IiOnsiJHJlZiI6IjI0NiJ9LCJMaW5lV2VpZ2h0IjowLjAsIkxpbmVUeXBlIjowLCJQYXJlbnRTdHlsZSI6bnVsbH0sIlBhcmVudFN0eWxlIjpudWxsfSwiVGl0bGVTdHlsZSI6eyIkaWQiOiI0MzkiLCJGb250U2V0dGluZ3MiOnsiJGlkIjoiNDQwIiwiRm9udFNpemUiOjExLCJGb250TmFtZSI6IkNhbGlicmkiLCJJc0JvbGQiOnRydWUsIklzSXRhbGljIjpmYWxzZSwiSXNVbmRlcmxpbmVkIjpmYWxzZSwiUGFyZW50U3R5bGUiOm51bGx9LCJBdXRvU2l6ZSI6MCwiRm9yZWdyb3VuZCI6eyIkaWQiOiI0NDEiLCJDb2xvciI6eyIkaWQiOiI0NDIiLCJBIjoyNTUsIlIiOjAsIkciOjAsIkIiOjB9fSwiTWF4V2lkdGgiOjcyMC4wLCJNYXhIZWlnaHQiOiJJbmZpbml0eSIsIlNtYXJ0Rm9yZWdyb3VuZElzQWN0aXZlIjpmYWxzZSwiSG9yaXpvbnRhbEFsaWdubWVudCI6MCwiVmVydGljYWxBbGlnbm1lbnQiOjAsIlNtYXJ0Rm9yZWdyb3VuZCI6bnVsbCwiQmFja2dyb3VuZEZpbGxUeXBlIjowLCJNYXJnaW4iOnsiJHJlZiI6Ijk4In0sIlBhZGRpbmciOnsiJHJlZiI6Ijk5In0sIkJhY2tncm91bmQiOnsiJGlkIjoiNDQzIiwiQ29sb3IiOnsiJGlkIjoiNDQ0IiwiQSI6MCwiUiI6MjU1LCJHIjoyNTUsIkIiOjI1NX19LCJJc1Zpc2libGUiOnRydWUsIldpZHRoIjowLjAsIkhlaWdodCI6MC4wLCJCb3JkZXJTdHlsZSI6eyIkaWQiOiI0NDUiLCJMaW5lQ29sb3IiOm51bGwsIkxpbmVXZWlnaHQiOjAuMCwiTGluZVR5cGUiOjAsIlBhcmVudFN0eWxlIjpudWxsfSwiUGFyZW50U3R5bGUiOm51bGx9LCJEYXRlU3R5bGUiOnsiJGlkIjoiNDQ2IiwiRm9udFNldHRpbmdzIjp7IiRpZCI6IjQ0NyIsIkZvbnRTaXplIjoxMCwiRm9udE5hbWUiOiJDYWxpYnJpIiwiSXNCb2xkIjpmYWxzZSwiSXNJdGFsaWMiOmZhbHNlLCJJc1VuZGVybGluZWQiOmZhbHNlLCJQYXJlbnRTdHlsZSI6bnVsbH0sIkF1dG9TaXplIjowLCJGb3JlZ3JvdW5kIjp7IiRpZCI6IjQ0OCIsIkNvbG9yIjp7IiRpZCI6IjQ0OSIsIkEiOjI1NSwiUiI6NjgsIkciOjg0LCJCIjoxMDZ9fSwiTWF4V2lkdGgiOjIwMC4wLCJNYXhIZWlnaHQiOiJJbmZpbml0eSIsIlNtYXJ0Rm9yZWdyb3VuZElzQWN0aXZlIjpmYWxzZSwiSG9yaXpvbnRhbEFsaWdubWVudCI6MSwiVmVydGljYWxBbGlnbm1lbnQiOjAsIlNtYXJ0Rm9yZWdyb3VuZCI6bnVsbCwiQmFja2dyb3VuZEZpbGxUeXBlIjowLCJNYXJnaW4iOnsiJHJlZiI6IjEwNyJ9LCJQYWRkaW5nIjp7IiRyZWYiOiIxMDgifSwiQmFja2dyb3VuZCI6eyIkaWQiOiI0NTAiLCJDb2xvciI6eyIkaWQiOiI0NTEiLCJBIjowLCJSIjoyNTUsIkciOjI1NSwiQiI6MjU1fX0sIklzVmlzaWJsZSI6dHJ1ZSwiV2lkdGgiOjAuMCwiSGVpZ2h0IjowLjAsIkJvcmRlclN0eWxlIjp7IiRpZCI6IjQ1MiIsIkxpbmVDb2xvciI6bnVsbCwiTGluZVdlaWdodCI6MC4wLCJMaW5lVHlwZSI6MCwiUGFyZW50U3R5bGUiOm51bGx9LCJQYXJlbnRTdHlsZSI6bnVsbH0sIkRhdGVGb3JtYXQiOnsiJHJlZiI6IjI2MiJ9LCJXZWVrTnVtYmVyaW5nIjp7IiRpZCI6IjQ1MyIsIkZvcm1hdCI6MCwiSXNWaXNpYmxlIjpmYWxzZSwiTGFzdEtub3duVmlzaWJpbGl0eVN0YXRlIjpmYWxzZX0sIklzVmlzaWJsZSI6dHJ1ZSwiUGFyZW50U3R5bGUiOm51bGx9LCJJbmRleCI6MTAsIlNtYXJ0RHVyYXRpb25BY3RpdmF0ZWQiOmZhbHNlLCJEYXRlRm9ybWF0Ijp7IiRyZWYiOiIyNjIifSwiV2Vla051bWJlcmluZyI6eyIkaWQiOiI0NTQiLCJGb3JtYXQiOjAsIklzVmlzaWJsZSI6ZmFsc2UsIkxhc3RLbm93blZpc2liaWxpdHlTdGF0ZSI6ZmFsc2V9LCJJZCI6IjZmMWQzYTVkLTM5NGQtNGY3ZS1iODAzLTAwNGY3NzdlMjljMyIsIkltcG9ydElkIjpudWxsLCJUaXRsZSI6IkVkaXRpbmcgU1JTIiwiTm90ZSI6bnVsbCwiSHlwZXJsaW5rIjp7IiRpZCI6IjQ1NSIsIkFkZHJlc3MiOiIiLCJTdWJBZGRyZXNzIjoiIn0sIklzQ2hhbmdlZCI6ZmFsc2UsIklzTmV3IjpmYWxzZX19XSwiX21pbGVzdG9uZXMiOltdLCJJZCI6IjAwMDAwMDAwLTAwMDAtMDAwMC0wMDAwLTAwMDAwMDAwMDAwMCIsIklzU2luZ2xlSXRlbVJvdyI6dHJ1ZX1dLCJJbmRleCI6NywiSWQiOiIyZTZjZDEzYi05OTM0LTQ1M2YtOTU2OS1jMDRlNWU2NWE2ZWIiLCJIZWFkZXJUZXh0IjpudWxsLCJJc0RlZmF1bHQiOnRydWUsIlN0eWxlIjp7IiRpZCI6IjQ1NiIsIkhlYWRlclN0eWxlIjp7IiRpZCI6IjQ1NyIsIlRleHRTdHlsZSI6eyIkaWQiOiI0NTgiLCJGb250U2V0dGluZ3MiOnsiJGlkIjoiNDU5IiwiRm9udFNpemUiOjExLCJGb250TmFtZSI6IkNhbGlicmkiLCJJc0JvbGQiOmZhbHNlLCJJc0l0YWxpYyI6ZmFsc2UsIklzVW5kZXJsaW5lZCI6ZmFsc2UsIlBhcmVudFN0eWxlIjpudWxsfSwiQXV0b1NpemUiOjIsIkZvcmVncm91bmQiOnsiJGlkIjoiNDYwIiwiQ29sb3IiOnsiJGlkIjoiNDYxIiwiQSI6MjU1LCJSIjowLCJHIjowLCJCIjowfX0sIk1heFdpZHRoIjowLjAsIk1heEhlaWdodCI6IkluZmluaXR5IiwiU21hcnRGb3JlZ3JvdW5kSXNBY3RpdmUiOmZhbHNlLCJIb3Jpem9udGFsQWxpZ25tZW50IjowLCJWZXJ0aWNhbEFsaWdubWVudCI6MCwiU21hcnRGb3JlZ3JvdW5kIjpudWxsLCJCYWNrZ3JvdW5kRmlsbFR5cGUiOjAsIk1hcmdpbiI6eyIkaWQiOiI0NjIiLCJUb3AiOjAuMCwiTGVmdCI6MC4wLCJSaWdodCI6MC4wLCJCb3R0b20iOjAuMH0sIlBhZGRpbmciOnsiJGlkIjoiNDYzIiwiVG9wIjowLjAsIkxlZnQiOjAuMCwiUmlnaHQiOjAuMCwiQm90dG9tIjowLjB9LCJCYWNrZ3JvdW5kIjpudWxsLCJJc1Zpc2libGUiOnRydWUsIldpZHRoIjowLjAsIkhlaWdodCI6MC4wLCJCb3JkZXJTdHlsZSI6bnVsbCwiUGFyZW50U3R5bGUiOm51bGx9LCJSZWN0YW5nbGVTdHlsZSI6eyIkaWQiOiI0NjQiLCJNYXJnaW4iOnsiJGlkIjoiNDY1IiwiVG9wIjowLjAsIkxlZnQiOjAuMCwiUmlnaHQiOjAuMCwiQm90dG9tIjowLjB9LCJQYWRkaW5nIjp7IiRpZCI6IjQ2NiIsIlRvcCI6MC4wLCJMZWZ0IjowLjAsIlJpZ2h0IjowLjAsIkJvdHRvbSI6MC4wfSwiQmFja2dyb3VuZCI6eyIkaWQiOiI0NjciLCJDb2xvciI6eyIkaWQiOiI0NjgiLCJBIjo2MywiUiI6MTY1LCJHIjoxNjUsIkIiOjE2NX19LCJJc1Zpc2libGUiOnRydWUsIldpZHRoIjowLjAsIkhlaWdodCI6MC4wLCJCb3JkZXJTdHlsZSI6eyIkaWQiOiI0NjkiLCJMaW5lQ29sb3IiOnsiJGlkIjoiNDcwIiwiJHR5cGUiOiJOTFJFLkNvbW1vbi5Eb20uU29saWRDb2xvckJydXNoLCBOTFJFLkNvbW1vbiIsIkNvbG9yIjp7IiRpZCI6IjQ3MSIsIkEiOjI1NSwiUiI6MjU1LCJHIjowLCJCIjowfX0sIkxpbmVXZWlnaHQiOjAuMCwiTGluZVR5cGUiOjAsIlBhcmVudFN0eWxlIjpudWxsfSwiUGFyZW50U3R5bGUiOm51bGx9LCJNYXJnaW4iOnsiJGlkIjoiNDcyIiwiVG9wIjowLjAsIkxlZnQiOjAuMCwiUmlnaHQiOjAuMCwiQm90dG9tIjowLjB9LCJQYWRkaW5nIjp7IiRpZCI6IjQ3MyIsIlRvcCI6MC4wLCJMZWZ0IjowLjAsIlJpZ2h0IjowLjAsIkJvdHRvbSI6MC4wfSwiQmFja2dyb3VuZCI6bnVsbCwiSXNWaXNpYmxlIjp0cnVlLCJXaWR0aCI6MC4wLCJIZWlnaHQiOjAuMCwiQm9yZGVyU3R5bGUiOm51bGwsIlBhcmVudFN0eWxlIjpudWxsfSwiQmFja2dyb3VuZFN0eWxlIjp7IiRpZCI6IjQ3NCIsIk1hcmdpbiI6eyIkaWQiOiI0NzUiLCJUb3AiOjAuMCwiTGVmdCI6MC4wLCJSaWdodCI6MC4wLCJCb3R0b20iOjAuMH0sIlBhZGRpbmciOnsiJGlkIjoiNDc2IiwiVG9wIjowLjAsIkxlZnQiOjAuMCwiUmlnaHQiOjAuMCwiQm90dG9tIjowLjB9LCJCYWNrZ3JvdW5kIjp7IiRpZCI6IjQ3NyIsIkNvbG9yIjp7IiRpZCI6IjQ3OCIsIkEiOjUxLCJSIjoxNjUsIkciOjE2NSwiQiI6MTY1fX0sIklzVmlzaWJsZSI6dHJ1ZSwiV2lkdGgiOjAuMCwiSGVpZ2h0IjowLjAsIkJvcmRlclN0eWxlIjp7IiRpZCI6IjQ3OSIsIkxpbmVDb2xvciI6eyIkaWQiOiI0ODAiLCIkdHlwZSI6Ik5MUkUuQ29tbW9uLkRvbS5Tb2xpZENvbG9yQnJ1c2gsIE5MUkUuQ29tbW9uIiwiQ29sb3IiOnsiJGlkIjoiNDgxIiwiQSI6MjU1LCJSIjoyNTUsIkciOjAsIkIiOjB9fSwiTGluZVdlaWdodCI6MC4wLCJMaW5lVHlwZSI6MCwiUGFyZW50U3R5bGUiOm51bGx9LCJQYXJlbnRTdHlsZSI6bnVsbH0sIk1hcmdpbiI6eyIkaWQiOiI0ODIiLCJUb3AiOjAuMCwiTGVmdCI6MC4wLCJSaWdodCI6MC4wLCJCb3R0b20iOjAuMH0sIlBhZGRpbmciOnsiJGlkIjoiNDgzIiwiVG9wIjowLjAsIkxlZnQiOjAuMCwiUmlnaHQiOjAuMCwiQm90dG9tIjowLjB9LCJJc1Zpc2libGUiOmZhbHNlLCJXaWR0aCI6MC4wLCJIZWlnaHQiOjAuMCwiQm9yZGVyU3R5bGUiOm51bGwsIlBhcmVudFN0eWxlIjpudWxsfX1dLCJJZCI6ImY4MzgxNGQ0LWRiNWYtNDQ0Ni1hNjg2LWJmNjgwNmE3ZmVjOSIsIkluZGV4Ijo3LCJIZWFkZXJUZXh0IjoiRml4aW5nIFBoYXNlIiwiU3R5bGUiOnsiJGlkIjoiNDg0IiwiSGVhZGVyU3R5bGUiOnsiJGlkIjoiNDg1IiwiVGV4dElzVmVydGljYWwiOmZhbHNlLCJUZXh0U3R5bGUiOnsiJGlkIjoiNDg2IiwiRm9udFNldHRpbmdzIjp7IiRpZCI6IjQ4NyIsIkZvbnRTaXplIjoxMiwiRm9udE5hbWUiOiJDYWxpYnJpIiwiSXNCb2xkIjpmYWxzZSwiSXNJdGFsaWMiOmZhbHNlLCJJc1VuZGVybGluZWQiOmZhbHNlLCJQYXJlbnRTdHlsZSI6bnVsbH0sIkF1dG9TaXplIjoyLCJGb3JlZ3JvdW5kIjp7IiRyZWYiOiIyMDMifSwiTWF4V2lkdGgiOjE2MC4wLCJNYXhIZWlnaHQiOiJJbmZpbml0eSIsIlNtYXJ0Rm9yZWdyb3VuZElzQWN0aXZlIjpmYWxzZSwiSG9yaXpvbnRhbEFsaWdubWVudCI6MCwiVmVydGljYWxBbGlnbm1lbnQiOjAsIlNtYXJ0Rm9yZWdyb3VuZCI6bnVsbCwiQmFja2dyb3VuZEZpbGxUeXBlIjowLCJNYXJnaW4iOnsiJHJlZiI6IjIwNSJ9LCJQYWRkaW5nIjp7IiRyZWYiOiIyMDYifSwiQmFja2dyb3VuZCI6bnVsbCwiSXNWaXNpYmxlIjp0cnVlLCJXaWR0aCI6MC4wLCJIZWlnaHQiOjAuMCwiQm9yZGVyU3R5bGUiOm51bGwsIlBhcmVudFN0eWxlIjpudWxsfSwiUmVjdGFuZ2xlU3R5bGUiOnsiJGlkIjoiNDg4IiwiTWFyZ2luIjp7IiRpZCI6IjQ4OSIsIlRvcCI6MC4wLCJMZWZ0IjowLjAsIlJpZ2h0IjowLjAsIkJvdHRvbSI6MC4wfSwiUGFkZGluZyI6eyIkaWQiOiI0OTAiLCJUb3AiOjAuMCwiTGVmdCI6MC4wLCJSaWdodCI6MC4wLCJCb3R0b20iOjAuMH0sIkJhY2tncm91bmQiOnsiJGlkIjoiNDkxIiwiQ29sb3IiOnsiJGlkIjoiNDkyIiwiQSI6MjU1LCJSIjoxNjUsIkciOjE2NSwiQiI6MTY1fX0sIklzVmlzaWJsZSI6dHJ1ZSwiV2lkdGgiOjAuMCwiSGVpZ2h0IjowLjAsIkJvcmRlclN0eWxlIjp7IiRpZCI6IjQ5MyIsIkxpbmVDb2xvciI6eyIkaWQiOiI0OTQiLCIkdHlwZSI6Ik5MUkUuQ29tbW9uLkRvbS5Tb2xpZENvbG9yQnJ1c2gsIE5MUkUuQ29tbW9uIiwiQ29sb3IiOnsiJGlkIjoiNDk1IiwiQSI6MjU1LCJSIjoyNTUsIkciOjAsIkIiOjB9fSwiTGluZVdlaWdodCI6MC4wLCJMaW5lVHlwZSI6MCwiUGFyZW50U3R5bGUiOm51bGx9LCJQYXJlbnRTdHlsZSI6bnVsbH0sIk1hcmdpbiI6eyIkaWQiOiI0OTYiLCJUb3AiOjAuMCwiTGVmdCI6MC4wLCJSaWdodCI6MC4wLCJCb3R0b20iOjAuMH0sIlBhZGRpbmciOnsiJGlkIjoiNDk3IiwiVG9wIjowLjAsIkxlZnQiOjAuMCwiUmlnaHQiOjAuMCwiQm90dG9tIjowLjB9LCJCYWNrZ3JvdW5kIjpudWxsLCJJc1Zpc2libGUiOnRydWUsIldpZHRoIjowLjAsIkhlaWdodCI6MC4wLCJCb3JkZXJTdHlsZSI6bnVsbCwiUGFyZW50U3R5bGUiOm51bGx9LCJCYWNrZ3JvdW5kU3R5bGUiOnsiJGlkIjoiNDk4IiwiTWFyZ2luIjp7IiRpZCI6IjQ5OSIsIlRvcCI6MC4wLCJMZWZ0IjowLjAsIlJpZ2h0IjowLjAsIkJvdHRvbSI6MC4wfSwiUGFkZGluZyI6eyIkaWQiOiI1MDAiLCJUb3AiOjAuMCwiTGVmdCI6MC4wLCJSaWdodCI6MC4wLCJCb3R0b20iOjAuMH0sIkJhY2tncm91bmQiOnsiJGlkIjoiNTAxIiwiQ29sb3IiOnsiJGlkIjoiNTAyIiwiQSI6NTEsIlIiOjE2NSwiRyI6MTY1LCJCIjoxNjV9fSwiSXNWaXNpYmxlIjp0cnVlLCJXaWR0aCI6MC4wLCJIZWlnaHQiOjAuMCwiQm9yZGVyU3R5bGUiOnsiJGlkIjoiNTAzIiwiTGluZUNvbG9yIjp7IiRpZCI6IjUwNCIsIiR0eXBlIjoiTkxSRS5Db21tb24uRG9tLlNvbGlkQ29sb3JCcnVzaCwgTkxSRS5Db21tb24iLCJDb2xvciI6eyIkaWQiOiI1MDUiLCJBIjoyNTUsIlIiOjI1NSwiRyI6MCwiQiI6MH19LCJMaW5lV2VpZ2h0IjowLjAsIkxpbmVUeXBlIjowLCJQYXJlbnRTdHlsZSI6bnVsbH0sIlBhcmVudFN0eWxlIjpudWxsfSwiSXNBYm92ZVRpbWViYW5kIjpmYWxzZSwiTWFyZ2luIjp7IiRpZCI6IjUwNiIsIlRvcCI6MC4wLCJMZWZ0IjowLjAsIlJpZ2h0IjowLjAsIkJvdHRvbSI6MC4wfSwiUGFkZGluZyI6eyIkaWQiOiI1MDciLCJUb3AiOjAuMCwiTGVmdCI6MC4wLCJSaWdodCI6MC4wLCJCb3R0b20iOjAuMH0sIklzVmlzaWJsZSI6dHJ1ZSwiV2lkdGgiOjAuMCwiSGVpZ2h0IjowLjAsIkJvcmRlclN0eWxlIjp7IiRpZCI6IjUwOCIsIkxpbmVDb2xvciI6bnVsbCwiTGluZVdlaWdodCI6MC4wLCJMaW5lVHlwZSI6MCwiUGFyZW50U3R5bGUiOm51bGx9LCJQYXJlbnRTdHlsZSI6bnVsbH19LHsiJGlkIjoiNTA5IiwiX2FjdGl2aXRpZXMiOlt7IiRpZCI6IjUxMCIsIl9yb3dzIjpbeyIkaWQiOiI1MTEiLCJfdGFza3MiOlt7IiRpZCI6IjUxMiIsIl9hdHRhY2hlZE1pbGVzdG9uZXMiOltdLCJUYXNrRGVmaW5pdGlvbiI6eyIkaWQiOiI1MTMiLCJHcm91cE5hbWUiOm51bGwsIlN0YXJ0RGF0ZSI6IjIwMjItMDUtMDdUMDA6MDA6MDBaIiwiRW5kRGF0ZSI6IjIwMjItMDYtMjlUMjM6NTk6MDBaIiwiUGVyY2VudGFnZUNvbXBsZXRlIjpudWxsLCJTdHlsZSI6eyIkaWQiOiI1MTQiLCJTaGFwZSI6MSwiU2hhcGVUaGlja25lc3MiOjEsIkR1cmF0aW9uRm9ybWF0IjowLCJJbmNsdWRlTm9uV29ya2luZ0RheXNJbkR1cmF0aW9uIjpmYWxzZSwiUGVyY2VudGFnZUNvbXBsZXRlU3R5bGUiOnsiJGlkIjoiNTE1IiwiRm9udFNldHRpbmdzIjp7IiRpZCI6IjUxNiIsIkZvbnRTaXplIjoxMCwiRm9udE5hbWUiOiJDYWxpYnJpIiwiSXNCb2xkIjpmYWxzZSwiSXNJdGFsaWMiOmZhbHNlLCJJc1VuZGVybGluZWQiOmZhbHNlLCJQYXJlbnRTdHlsZSI6bnVsbH0sIkF1dG9TaXplIjowLCJGb3JlZ3JvdW5kIjp7IiRyZWYiOiIxMCJ9LCJNYXhXaWR0aCI6MjAwLjAsIk1heEhlaWdodCI6IkluZmluaXR5IiwiU21hcnRGb3JlZ3JvdW5kSXNBY3RpdmUiOmZhbHNlLCJIb3Jpem9udGFsQWxpZ25tZW50IjowLCJWZXJ0aWNhbEFsaWdubWVudCI6MCwiU21hcnRGb3JlZ3JvdW5kIjpudWxsLCJCYWNrZ3JvdW5kRmlsbFR5cGUiOjAsIk1hcmdpbiI6eyIkcmVmIjoiNjcifSwiUGFkZGluZyI6eyIkcmVmIjoiNjgifSwiQmFja2dyb3VuZCI6eyIkcmVmIjoiNjkifSwiSXNWaXNpYmxlIjp0cnVlLCJXaWR0aCI6MC4wLCJIZWlnaHQiOjAuMCwiQm9yZGVyU3R5bGUiOnsiJGlkIjoiNTE3IiwiTGluZUNvbG9yIjpudWxsLCJMaW5lV2VpZ2h0IjowLjAsIkxpbmVUeXBlIjowLCJQYXJlbnRTdHlsZSI6bnVsbH0sIlBhcmVudFN0eWxlIjpudWxsfSwiRHVyYXRpb25TdHlsZSI6eyIkaWQiOiI1MTgiLCJGb250U2V0dGluZ3MiOnsiJGlkIjoiNTE5IiwiRm9udFNpemUiOjEwLCJGb250TmFtZSI6IkNhbGlicmkiLCJJc0JvbGQiOmZhbHNlLCJJc0l0YWxpYyI6ZmFsc2UsIklzVW5kZXJsaW5lZCI6ZmFsc2UsIlBhcmVudFN0eWxlIjpudWxsfSwiQXV0b1NpemUiOjAsIkZvcmVncm91bmQiOnsiJHJlZiI6Ijc0In0sIk1heFdpZHRoIjoyMDAuMCwiTWF4SGVpZ2h0IjoiSW5maW5pdHkiLCJTbWFydEZvcmVncm91bmRJc0FjdGl2ZSI6ZmFsc2UsIkhvcml6b250YWxBbGlnbm1lbnQiOjAsIlZlcnRpY2FsQWxpZ25tZW50IjowLCJTbWFydEZvcmVncm91bmQiOm51bGwsIkJhY2tncm91bmRGaWxsVHlwZSI6MCwiTWFyZ2luIjp7IiRyZWYiOiI3NiJ9LCJQYWRkaW5nIjp7IiRyZWYiOiI3NyJ9LCJCYWNrZ3JvdW5kIjp7IiRyZWYiOiI3OCJ9LCJJc1Zpc2libGUiOnRydWUsIldpZHRoIjowLjAsIkhlaWdodCI6MC4wLCJCb3JkZXJTdHlsZSI6eyIkaWQiOiI1MjAiLCJMaW5lQ29sb3IiOm51bGwsIkxpbmVXZWlnaHQiOjAuMCwiTGluZVR5cGUiOjAsIlBhcmVudFN0eWxlIjpudWxsfSwiUGFyZW50U3R5bGUiOm51bGx9LCJIb3Jpem9udGFsQ29ubmVjdG9yU3R5bGUiOnsiJGlkIjoiNTIxIiwiTGluZUNvbG9yIjp7IiRyZWYiOiI4MSJ9LCJMaW5lV2VpZ2h0IjoxLjAsIkxpbmVUeXBlIjowLCJQYXJlbnRTdHlsZSI6bnVsbH0sIlZlcnRpY2FsQ29ubmVjdG9yU3R5bGUiOnsiJGlkIjoiNTIyIiwiTGluZUNvbG9yIjp7IiRyZWYiOiI4NCJ9LCJMaW5lV2VpZ2h0IjowLjAsIkxpbmVUeXBlIjowLCJQYXJlbnRTdHlsZSI6bnVsbH0sIk1hcmdpbiI6bnVsbCwiU3RhcnREYXRlUG9zaXRpb24iOjMsIkVuZERhdGVQb3NpdGlvbiI6NCwiRGF0ZUlzVmlzaWJsZSI6dHJ1ZSwiVGl0bGVQb3NpdGlvbiI6MiwiRHVyYXRpb25Qb3NpdGlvbiI6NiwiUGVyY2VudGFnZUNvbXBsZXRlZFBvc2l0aW9uIjo2LCJTcGFjaW5nIjo1LCJJc0JlbG93VGltZWJhbmQiOnRydWUsIlBlcmNlbnRhZ2VDb21wbGV0ZVNoYXBlT3BhY2l0eSI6MzUsIlNoYXBlU3R5bGUiOnsiJGlkIjoiNTIzIiwiTWFyZ2luIjp7IiRyZWYiOiI4NyJ9LCJQYWRkaW5nIjp7IiRyZWYiOiI4OCJ9LCJCYWNrZ3JvdW5kIjp7IiRpZCI6IjUyNCIsIkNvbG9yIjp7IiRpZCI6IjUyNSIsIkEiOjI1NSwiUiI6MjYsIkciOjE3MCwiQiI6NjZ9fSwiSXNWaXNpYmxlIjp0cnVlLCJXaWR0aCI6MC4wLCJIZWlnaHQiOjE2LjAsIkJvcmRlclN0eWxlIjp7IiRpZCI6IjUyNiIsIkxpbmVDb2xvciI6eyIkaWQiOiI1MjciLCIkdHlwZSI6Ik5MUkUuQ29tbW9uLkRvbS5Tb2xpZENvbG9yQnJ1c2gsIE5MUkUuQ29tbW9uIiwiQ29sb3IiOnsiJGlkIjoiNTI4IiwiQSI6MjU1LCJSIjoyNTUsIkciOjAsIkIiOjB9fSwiTGluZVdlaWdodCI6MC4wLCJMaW5lVHlwZSI6MCwiUGFyZW50U3R5bGUiOm51bGx9LCJQYXJlbnRTdHlsZSI6bnVsbH0sIlRpdGxlU3R5bGUiOnsiJGlkIjoiNTI5IiwiRm9udFNldHRpbmdzIjp7IiRpZCI6IjUzMCIsIkZvbnRTaXplIjoxMSwiRm9udE5hbWUiOiJDYWxpYnJpIiwiSXNCb2xkIjp0cnVlLCJJc0l0YWxpYyI6ZmFsc2UsIklzVW5kZXJsaW5lZCI6ZmFsc2UsIlBhcmVudFN0eWxlIjpudWxsfSwiQXV0b1NpemUiOjAsIkZvcmVncm91bmQiOnsiJGlkIjoiNTMxIiwiQ29sb3IiOnsiJGlkIjoiNTMyIiwiQSI6MjU1LCJSIjowLCJHIjowLCJCIjowfX0sIk1heFdpZHRoIjo3MjAuMCwiTWF4SGVpZ2h0IjoiSW5maW5pdHkiLCJTbWFydEZvcmVncm91bmRJc0FjdGl2ZSI6ZmFsc2UsIkhvcml6b250YWxBbGlnbm1lbnQiOjEsIlZlcnRpY2FsQWxpZ25tZW50IjowLCJTbWFydEZvcmVncm91bmQiOm51bGwsIkJhY2tncm91bmRGaWxsVHlwZSI6MCwiTWFyZ2luIjp7IiRyZWYiOiI5OCJ9LCJQYWRkaW5nIjp7IiRyZWYiOiI5OSJ9LCJCYWNrZ3JvdW5kIjp7IiRpZCI6IjUzMyIsIkNvbG9yIjp7IiRpZCI6IjUzNCIsIkEiOjAsIlIiOjI1NSwiRyI6MjU1LCJCIjoyNTV9fSwiSXNWaXNpYmxlIjp0cnVlLCJXaWR0aCI6MC4wLCJIZWlnaHQiOjAuMCwiQm9yZGVyU3R5bGUiOnsiJGlkIjoiNTM1IiwiTGluZUNvbG9yIjpudWxsLCJMaW5lV2VpZ2h0IjowLjAsIkxpbmVUeXBlIjowLCJQYXJlbnRTdHlsZSI6bnVsbH0sIlBhcmVudFN0eWxlIjpudWxsfSwiRGF0ZVN0eWxlIjp7IiRpZCI6IjUzNiIsIkZvbnRTZXR0aW5ncyI6eyIkaWQiOiI1MzciLCJGb250U2l6ZSI6MTAsIkZvbnROYW1lIjoiQ2FsaWJyaSIsIklzQm9sZCI6ZmFsc2UsIklzSXRhbGljIjpmYWxzZSwiSXNVbmRlcmxpbmVkIjpmYWxzZSwiUGFyZW50U3R5bGUiOm51bGx9LCJBdXRvU2l6ZSI6MCwiRm9yZWdyb3VuZCI6eyIkaWQiOiI1MzgiLCJDb2xvciI6eyIkaWQiOiI1MzkiLCJBIjoyNTUsIlIiOjY4LCJHIjo4NCwiQiI6MTA2fX0sIk1heFdpZHRoIjoyMDAuMCwiTWF4SGVpZ2h0IjoiSW5maW5pdHkiLCJTbWFydEZvcmVncm91bmRJc0FjdGl2ZSI6ZmFsc2UsIkhvcml6b250YWxBbGlnbm1lbnQiOjEsIlZlcnRpY2FsQWxpZ25tZW50IjowLCJTbWFydEZvcmVncm91bmQiOm51bGwsIkJhY2tncm91bmRGaWxsVHlwZSI6MCwiTWFyZ2luIjp7IiRyZWYiOiIxMDcifSwiUGFkZGluZyI6eyIkcmVmIjoiMTA4In0sIkJhY2tncm91bmQiOnsiJGlkIjoiNTQwIiwiQ29sb3IiOnsiJGlkIjoiNTQxIiwiQSI6MCwiUiI6MjU1LCJHIjoyNTUsIkIiOjI1NX19LCJJc1Zpc2libGUiOnRydWUsIldpZHRoIjowLjAsIkhlaWdodCI6MC4wLCJCb3JkZXJTdHlsZSI6eyIkaWQiOiI1NDIiLCJMaW5lQ29sb3IiOm51bGwsIkxpbmVXZWlnaHQiOjAuMCwiTGluZVR5cGUiOjAsIlBhcmVudFN0eWxlIjpudWxsfSwiUGFyZW50U3R5bGUiOm51bGx9LCJEYXRlRm9ybWF0Ijp7IiRpZCI6IjU0MyIsIkZvcm1hdFN0cmluZyI6Ik1NTSBkIiwiU2VwYXJhdG9yIjoiLyIsIlVzZUludGVybmF0aW9uYWxEYXRlRm9ybWF0IjpmYWxzZSwiRGF0ZUlzVmlzaWJsZSI6dHJ1ZSwiVGltZUlzVmlzaWJsZSI6ZmFsc2UsIkhvdXJEaWdpdHMiOjEsIkFtUG1EZXNpZ25hdG9yIjoyLCJUcmltMDBNaW51dGVzIjpmYWxzZSwiTGFzdEtub3duVmlzaWJpbGl0eVN0YXRlIjpudWxsfSwiV2Vla051bWJlcmluZyI6eyIkaWQiOiI1NDQiLCJGb3JtYXQiOjAsIklzVmlzaWJsZSI6ZmFsc2UsIkxhc3RLbm93blZpc2liaWxpdHlTdGF0ZSI6ZmFsc2V9LCJJc1Zpc2libGUiOnRydWUsIlBhcmVudFN0eWxlIjpudWxsfSwiSW5kZXgiOjEyLCJTbWFydER1cmF0aW9uQWN0aXZhdGVkIjpmYWxzZSwiRGF0ZUZvcm1hdCI6eyIkcmVmIjoiNTQzIn0sIldlZWtOdW1iZXJpbmciOnsiJGlkIjoiNTQ1IiwiRm9ybWF0IjowLCJJc1Zpc2libGUiOmZhbHNlLCJMYXN0S25vd25WaXNpYmlsaXR5U3RhdGUiOmZhbHNlfSwiSWQiOiIwYzMwZTg3OC04YmU3LTRiNTUtYjU0Mi1jZDFmMTNkOTAwOTMiLCJJbXBvcnRJZCI6bnVsbCwiVGl0bGUiOiJDb2RpbmcgJiBEQiBJbml0aWF0aW9uICYgVGVzdGluZyIsIk5vdGUiOm51bGwsIkh5cGVybGluayI6eyIkaWQiOiI1NDYiLCJBZGRyZXNzIjoiIiwiU3ViQWRkcmVzcyI6IiJ9LCJJc0NoYW5nZWQiOmZhbHNlLCJJc05ldyI6ZmFsc2V9fV0sIl9taWxlc3RvbmVzIjpbXSwiSWQiOiIwMDAwMDAwMC0wMDAwLTAwMDAtMDAwMC0wMDAwMDAwMDAwMDAiLCJJc1NpbmdsZUl0ZW1Sb3ciOnRydWV9XSwiSW5kZXgiOjExLCJJZCI6ImIyYmZiYzBmLTBjZDktNDY0My1hMzFlLTBkYTk4MWQzOGU5OCIsIkhlYWRlclRleHQiOm51bGwsIklzRGVmYXVsdCI6dHJ1ZSwiU3R5bGUiOnsiJGlkIjoiNTQ3IiwiSGVhZGVyU3R5bGUiOnsiJGlkIjoiNTQ4IiwiVGV4dFN0eWxlIjp7IiRpZCI6IjU0OSIsIkZvbnRTZXR0aW5ncyI6eyIkaWQiOiI1NTAiLCJGb250U2l6ZSI6MTEsIkZvbnROYW1lIjoiQ2FsaWJyaSIsIklzQm9sZCI6ZmFsc2UsIklzSXRhbGljIjpmYWxzZSwiSXNVbmRlcmxpbmVkIjpmYWxzZSwiUGFyZW50U3R5bGUiOm51bGx9LCJBdXRvU2l6ZSI6MiwiRm9yZWdyb3VuZCI6eyIkaWQiOiI1NTEiLCJDb2xvciI6eyIkaWQiOiI1NTIiLCJBIjoyNTUsIlIiOjAsIkciOjAsIkIiOjB9fSwiTWF4V2lkdGgiOjAuMCwiTWF4SGVpZ2h0IjoiSW5maW5pdHkiLCJTbWFydEZvcmVncm91bmRJc0FjdGl2ZSI6ZmFsc2UsIkhvcml6b250YWxBbGlnbm1lbnQiOjAsIlZlcnRpY2FsQWxpZ25tZW50IjowLCJTbWFydEZvcmVncm91bmQiOm51bGwsIkJhY2tncm91bmRGaWxsVHlwZSI6MCwiTWFyZ2luIjp7IiRpZCI6IjU1MyIsIlRvcCI6MC4wLCJMZWZ0IjowLjAsIlJpZ2h0IjowLjAsIkJvdHRvbSI6MC4wfSwiUGFkZGluZyI6eyIkaWQiOiI1NTQiLCJUb3AiOjAuMCwiTGVmdCI6MC4wLCJSaWdodCI6MC4wLCJCb3R0b20iOjAuMH0sIkJhY2tncm91bmQiOm51bGwsIklzVmlzaWJsZSI6dHJ1ZSwiV2lkdGgiOjAuMCwiSGVpZ2h0IjowLjAsIkJvcmRlclN0eWxlIjpudWxsLCJQYXJlbnRTdHlsZSI6bnVsbH0sIlJlY3RhbmdsZVN0eWxlIjp7IiRpZCI6IjU1NSIsIk1hcmdpbiI6eyIkaWQiOiI1NTYiLCJUb3AiOjAuMCwiTGVmdCI6MC4wLCJSaWdodCI6MC4wLCJCb3R0b20iOjAuMH0sIlBhZGRpbmciOnsiJGlkIjoiNTU3IiwiVG9wIjowLjAsIkxlZnQiOjAuMCwiUmlnaHQiOjAuMCwiQm90dG9tIjowLjB9LCJCYWNrZ3JvdW5kIjp7IiRpZCI6IjU1OCIsIkNvbG9yIjp7IiRpZCI6IjU1OSIsIkEiOjYzLCJSIjo5MSwiRyI6MTU1LCJCIjoyMTN9fSwiSXNWaXNpYmxlIjp0cnVlLCJXaWR0aCI6MC4wLCJIZWlnaHQiOjAuMCwiQm9yZGVyU3R5bGUiOnsiJGlkIjoiNTYwIiwiTGluZUNvbG9yIjp7IiRpZCI6IjU2MSIsIiR0eXBlIjoiTkxSRS5Db21tb24uRG9tLlNvbGlkQ29sb3JCcnVzaCwgTkxSRS5Db21tb24iLCJDb2xvciI6eyIkaWQiOiI1NjIiLCJBIjoyNTUsIlIiOjI1NSwiRyI6MCwiQiI6MH19LCJMaW5lV2VpZ2h0IjowLjAsIkxpbmVUeXBlIjowLCJQYXJlbnRTdHlsZSI6bnVsbH0sIlBhcmVudFN0eWxlIjpudWxsfSwiTWFyZ2luIjp7IiRpZCI6IjU2MyIsIlRvcCI6MC4wLCJMZWZ0IjowLjAsIlJpZ2h0IjowLjAsIkJvdHRvbSI6MC4wfSwiUGFkZGluZyI6eyIkaWQiOiI1NjQiLCJUb3AiOjAuMCwiTGVmdCI6MC4wLCJSaWdodCI6MC4wLCJCb3R0b20iOjAuMH0sIkJhY2tncm91bmQiOm51bGwsIklzVmlzaWJsZSI6dHJ1ZSwiV2lkdGgiOjAuMCwiSGVpZ2h0IjowLjAsIkJvcmRlclN0eWxlIjpudWxsLCJQYXJlbnRTdHlsZSI6bnVsbH0sIkJhY2tncm91bmRTdHlsZSI6eyIkaWQiOiI1NjUiLCJNYXJnaW4iOnsiJGlkIjoiNTY2IiwiVG9wIjowLjAsIkxlZnQiOjAuMCwiUmlnaHQiOjAuMCwiQm90dG9tIjowLjB9LCJQYWRkaW5nIjp7IiRpZCI6IjU2NyIsIlRvcCI6MC4wLCJMZWZ0IjowLjAsIlJpZ2h0IjowLjAsIkJvdHRvbSI6MC4wfSwiQmFja2dyb3VuZCI6eyIkaWQiOiI1NjgiLCJDb2xvciI6eyIkaWQiOiI1NjkiLCJBIjo1MSwiUiI6MTY1LCJHIjoxNjUsIkIiOjE2NX19LCJJc1Zpc2libGUiOnRydWUsIldpZHRoIjowLjAsIkhlaWdodCI6MC4wLCJCb3JkZXJTdHlsZSI6eyIkaWQiOiI1NzAiLCJMaW5lQ29sb3IiOnsiJGlkIjoiNTcxIiwiJHR5cGUiOiJOTFJFLkNvbW1vbi5Eb20uU29saWRDb2xvckJydXNoLCBOTFJFLkNvbW1vbiIsIkNvbG9yIjp7IiRpZCI6IjU3MiIsIkEiOjI1NSwiUiI6MjU1LCJHIjowLCJCIjowfX0sIkxpbmVXZWlnaHQiOjAuMCwiTGluZVR5cGUiOjAsIlBhcmVudFN0eWxlIjpudWxsfSwiUGFyZW50U3R5bGUiOm51bGx9LCJNYXJnaW4iOnsiJGlkIjoiNTczIiwiVG9wIjowLjAsIkxlZnQiOjAuMCwiUmlnaHQiOjAuMCwiQm90dG9tIjowLjB9LCJQYWRkaW5nIjp7IiRpZCI6IjU3NCIsIlRvcCI6MC4wLCJMZWZ0IjowLjAsIlJpZ2h0IjowLjAsIkJvdHRvbSI6MC4wfSwiSXNWaXNpYmxlIjpmYWxzZSwiV2lkdGgiOjAuMCwiSGVpZ2h0IjowLjAsIkJvcmRlclN0eWxlIjpudWxsLCJQYXJlbnRTdHlsZSI6bnVsbH19XSwiSWQiOiIyYWFlNTFmNy1iNDYwLTQ5ZGQtYjlmMC03MjExYjY2ZjhkNGYiLCJJbmRleCI6MTEsIkhlYWRlclRleHQiOiJTb2Z0d2FyZSBJbXBsZW1lbnRhdGlvbiIsIlN0eWxlIjp7IiRpZCI6IjU3NSIsIkhlYWRlclN0eWxlIjp7IiRpZCI6IjU3NiIsIlRleHRJc1ZlcnRpY2FsIjpmYWxzZSwiVGV4dFN0eWxlIjp7IiRpZCI6IjU3NyIsIkZvbnRTZXR0aW5ncyI6eyIkaWQiOiI1NzgiLCJGb250U2l6ZSI6MTIsIkZvbnROYW1lIjoiQ2FsaWJyaSIsIklzQm9sZCI6ZmFsc2UsIklzSXRhbGljIjpmYWxzZSwiSXNVbmRlcmxpbmVkIjpmYWxzZSwiUGFyZW50U3R5bGUiOm51bGx9LCJBdXRvU2l6ZSI6MiwiRm9yZWdyb3VuZCI6eyIkaWQiOiI1NzkiLCJDb2xvciI6eyIkaWQiOiI1ODAiLCJBIjoyNTUsIlIiOjI1NSwiRyI6MjU1LCJCIjoyNTV9fSwiTWF4V2lkdGgiOjE2MC4wLCJNYXhIZWlnaHQiOiJJbmZpbml0eSIsIlNtYXJ0Rm9yZWdyb3VuZElzQWN0aXZlIjpmYWxzZSwiSG9yaXpvbnRhbEFsaWdubWVudCI6MCwiVmVydGljYWxBbGlnbm1lbnQiOjAsIlNtYXJ0Rm9yZWdyb3VuZCI6bnVsbCwiQmFja2dyb3VuZEZpbGxUeXBlIjowLCJNYXJnaW4iOnsiJGlkIjoiNTgxIiwiVG9wIjowLjAsIkxlZnQiOjAuMCwiUmlnaHQiOjAuMCwiQm90dG9tIjowLjB9LCJQYWRkaW5nIjp7IiRpZCI6IjU4MiIsIlRvcCI6MC4wLCJMZWZ0IjowLjAsIlJpZ2h0IjowLjAsIkJvdHRvbSI6MC4wfSwiQmFja2dyb3VuZCI6bnVsbCwiSXNWaXNpYmxlIjp0cnVlLCJXaWR0aCI6MC4wLCJIZWlnaHQiOjAuMCwiQm9yZGVyU3R5bGUiOm51bGwsIlBhcmVudFN0eWxlIjpudWxsfSwiUmVjdGFuZ2xlU3R5bGUiOnsiJGlkIjoiNTgzIiwiTWFyZ2luIjp7IiRpZCI6IjU4NCIsIlRvcCI6MC4wLCJMZWZ0IjowLjAsIlJpZ2h0IjowLjAsIkJvdHRvbSI6MC4wfSwiUGFkZGluZyI6eyIkaWQiOiI1ODUiLCJUb3AiOjAuMCwiTGVmdCI6MC4wLCJSaWdodCI6MC4wLCJCb3R0b20iOjAuMH0sIkJhY2tncm91bmQiOnsiJGlkIjoiNTg2IiwiQ29sb3IiOnsiJGlkIjoiNTg3IiwiQSI6MjU1LCJSIjo5MSwiRyI6MTU1LCJCIjoyMTN9fSwiSXNWaXNpYmxlIjp0cnVlLCJXaWR0aCI6MC4wLCJIZWlnaHQiOjAuMCwiQm9yZGVyU3R5bGUiOnsiJGlkIjoiNTg4IiwiTGluZUNvbG9yIjp7IiRpZCI6IjU4OSIsIiR0eXBlIjoiTkxSRS5Db21tb24uRG9tLlNvbGlkQ29sb3JCcnVzaCwgTkxSRS5Db21tb24iLCJDb2xvciI6eyIkaWQiOiI1OTAiLCJBIjoyNTUsIlIiOjI1NSwiRyI6MCwiQiI6MH19LCJMaW5lV2VpZ2h0IjowLjAsIkxpbmVUeXBlIjowLCJQYXJlbnRTdHlsZSI6bnVsbH0sIlBhcmVudFN0eWxlIjpudWxsfSwiTWFyZ2luIjp7IiRpZCI6IjU5MSIsIlRvcCI6MC4wLCJMZWZ0IjowLjAsIlJpZ2h0IjowLjAsIkJvdHRvbSI6MC4wfSwiUGFkZGluZyI6eyIkaWQiOiI1OTIiLCJUb3AiOjAuMCwiTGVmdCI6MC4wLCJSaWdodCI6MC4wLCJCb3R0b20iOjAuMH0sIkJhY2tncm91bmQiOm51bGwsIklzVmlzaWJsZSI6dHJ1ZSwiV2lkdGgiOjAuMCwiSGVpZ2h0IjowLjAsIkJvcmRlclN0eWxlIjpudWxsLCJQYXJlbnRTdHlsZSI6bnVsbH0sIkJhY2tncm91bmRTdHlsZSI6eyIkaWQiOiI1OTMiLCJNYXJnaW4iOnsiJGlkIjoiNTk0IiwiVG9wIjowLjAsIkxlZnQiOjAuMCwiUmlnaHQiOjAuMCwiQm90dG9tIjowLjB9LCJQYWRkaW5nIjp7IiRpZCI6IjU5NSIsIlRvcCI6MC4wLCJMZWZ0IjowLjAsIlJpZ2h0IjowLjAsIkJvdHRvbSI6MC4wfSwiQmFja2dyb3VuZCI6eyIkaWQiOiI1OTYiLCJDb2xvciI6eyIkaWQiOiI1OTciLCJBIjo1MSwiUiI6MTY1LCJHIjoxNjUsIkIiOjE2NX19LCJJc1Zpc2libGUiOnRydWUsIldpZHRoIjowLjAsIkhlaWdodCI6MC4wLCJCb3JkZXJTdHlsZSI6eyIkaWQiOiI1OTgiLCJMaW5lQ29sb3IiOnsiJGlkIjoiNTk5IiwiJHR5cGUiOiJOTFJFLkNvbW1vbi5Eb20uU29saWRDb2xvckJydXNoLCBOTFJFLkNvbW1vbiIsIkNvbG9yIjp7IiRpZCI6IjYwMCIsIkEiOjI1NSwiUiI6MjU1LCJHIjowLCJCIjowfX0sIkxpbmVXZWlnaHQiOjAuMCwiTGluZVR5cGUiOjAsIlBhcmVudFN0eWxlIjpudWxsfSwiUGFyZW50U3R5bGUiOm51bGx9LCJJc0Fib3ZlVGltZWJhbmQiOmZhbHNlLCJNYXJnaW4iOnsiJGlkIjoiNjAxIiwiVG9wIjowLjAsIkxlZnQiOjAuMCwiUmlnaHQiOjAuMCwiQm90dG9tIjowLjB9LCJQYWRkaW5nIjp7IiRpZCI6IjYwMiIsIlRvcCI6MC4wLCJMZWZ0IjowLjAsIlJpZ2h0IjowLjAsIkJvdHRvbSI6MC4wfSwiSXNWaXNpYmxlIjp0cnVlLCJXaWR0aCI6MC4wLCJIZWlnaHQiOjAuMCwiQm9yZGVyU3R5bGUiOnsiJGlkIjoiNjAzIiwiTGluZUNvbG9yIjpudWxsLCJMaW5lV2VpZ2h0IjowLjAsIkxpbmVUeXBlIjowLCJQYXJlbnRTdHlsZSI6bnVsbH0sIlBhcmVudFN0eWxlIjpudWxsfX0seyIkaWQiOiI2MDQiLCJfYWN0aXZpdGllcyI6W3siJGlkIjoiNjA1IiwiX3Jvd3MiOlt7IiRpZCI6IjYwNiIsIl90YXNrcyI6W3siJGlkIjoiNjA3IiwiX2F0dGFjaGVkTWlsZXN0b25lcyI6W10sIlRhc2tEZWZpbml0aW9uIjp7IiRpZCI6IjYwOCIsIkdyb3VwTmFtZSI6bnVsbCwiU3RhcnREYXRlIjoiMjAyMi0wNi0zMFQwMDowMDowMFoiLCJFbmREYXRlIjoiMjAyMi0wNi0zMFQyMzo1OTowMFoiLCJQZXJjZW50YWdlQ29tcGxldGUiOm51bGwsIlN0eWxlIjp7IiRpZCI6IjYwOSIsIlNoYXBlIjoxLCJTaGFwZVRoaWNrbmVzcyI6MSwiRHVyYXRpb25Gb3JtYXQiOjAsIkluY2x1ZGVOb25Xb3JraW5nRGF5c0luRHVyYXRpb24iOmZhbHNlLCJQZXJjZW50YWdlQ29tcGxldGVTdHlsZSI6eyIkaWQiOiI2MTAiLCJGb250U2V0dGluZ3MiOnsiJGlkIjoiNjExIiwiRm9udFNpemUiOjEwLCJGb250TmFtZSI6IkNhbGlicmkiLCJJc0JvbGQiOmZhbHNlLCJJc0l0YWxpYyI6ZmFsc2UsIklzVW5kZXJsaW5lZCI6ZmFsc2UsIlBhcmVudFN0eWxlIjpudWxsfSwiQXV0b1NpemUiOjAsIkZvcmVncm91bmQiOnsiJHJlZiI6IjEwIn0sIk1heFdpZHRoIjoyMDAuMCwiTWF4SGVpZ2h0IjoiSW5maW5pdHkiLCJTbWFydEZvcmVncm91bmRJc0FjdGl2ZSI6ZmFsc2UsIkhvcml6b250YWxBbGlnbm1lbnQiOjAsIlZlcnRpY2FsQWxpZ25tZW50IjowLCJTbWFydEZvcmVncm91bmQiOm51bGwsIkJhY2tncm91bmRGaWxsVHlwZSI6MCwiTWFyZ2luIjp7IiRyZWYiOiI2NyJ9LCJQYWRkaW5nIjp7IiRyZWYiOiI2OCJ9LCJCYWNrZ3JvdW5kIjp7IiRyZWYiOiI2OSJ9LCJJc1Zpc2libGUiOnRydWUsIldpZHRoIjowLjAsIkhlaWdodCI6MC4wLCJCb3JkZXJTdHlsZSI6eyIkaWQiOiI2MTIiLCJMaW5lQ29sb3IiOm51bGwsIkxpbmVXZWlnaHQiOjAuMCwiTGluZVR5cGUiOjAsIlBhcmVudFN0eWxlIjpudWxsfSwiUGFyZW50U3R5bGUiOm51bGx9LCJEdXJhdGlvblN0eWxlIjp7IiRpZCI6IjYxMyIsIkZvbnRTZXR0aW5ncyI6eyIkaWQiOiI2MTQiLCJGb250U2l6ZSI6MTAsIkZvbnROYW1lIjoiQ2FsaWJyaSIsIklzQm9sZCI6ZmFsc2UsIklzSXRhbGljIjpmYWxzZSwiSXNVbmRlcmxpbmVkIjpmYWxzZSwiUGFyZW50U3R5bGUiOm51bGx9LCJBdXRvU2l6ZSI6MCwiRm9yZWdyb3VuZCI6eyIkcmVmIjoiNzQifSwiTWF4V2lkdGgiOjIwMC4wLCJNYXhIZWlnaHQiOiJJbmZpbml0eSIsIlNtYXJ0Rm9yZWdyb3VuZElzQWN0aXZlIjpmYWxzZSwiSG9yaXpvbnRhbEFsaWdubWVudCI6MCwiVmVydGljYWxBbGlnbm1lbnQiOjAsIlNtYXJ0Rm9yZWdyb3VuZCI6bnVsbCwiQmFja2dyb3VuZEZpbGxUeXBlIjowLCJNYXJnaW4iOnsiJHJlZiI6Ijc2In0sIlBhZGRpbmciOnsiJHJlZiI6Ijc3In0sIkJhY2tncm91bmQiOnsiJHJlZiI6Ijc4In0sIklzVmlzaWJsZSI6dHJ1ZSwiV2lkdGgiOjAuMCwiSGVpZ2h0IjowLjAsIkJvcmRlclN0eWxlIjp7IiRpZCI6IjYxNSIsIkxpbmVDb2xvciI6bnVsbCwiTGluZVdlaWdodCI6MC4wLCJMaW5lVHlwZSI6MCwiUGFyZW50U3R5bGUiOm51bGx9LCJQYXJlbnRTdHlsZSI6bnVsbH0sIkhvcml6b250YWxDb25uZWN0b3JTdHlsZSI6eyIkaWQiOiI2MTYiLCJMaW5lQ29sb3IiOnsiJHJlZiI6IjgxIn0sIkxpbmVXZWlnaHQiOjEuMCwiTGluZVR5cGUiOjAsIlBhcmVudFN0eWxlIjpudWxsfSwiVmVydGljYWxDb25uZWN0b3JTdHlsZSI6eyIkaWQiOiI2MTciLCJMaW5lQ29sb3IiOnsiJHJlZiI6Ijg0In0sIkxpbmVXZWlnaHQiOjAuMCwiTGluZVR5cGUiOjAsIlBhcmVudFN0eWxlIjpudWxsfSwiTWFyZ2luIjpudWxsLCJTdGFydERhdGVQb3NpdGlvbiI6MywiRW5kRGF0ZVBvc2l0aW9uIjo0LCJEYXRlSXNWaXNpYmxlIjp0cnVlLCJUaXRsZVBvc2l0aW9uIjowLCJEdXJhdGlvblBvc2l0aW9uIjo2LCJQZXJjZW50YWdlQ29tcGxldGVkUG9zaXRpb24iOjYsIlNwYWNpbmciOjUsIklzQmVsb3dUaW1lYmFuZCI6dHJ1ZSwiUGVyY2VudGFnZUNvbXBsZXRlU2hhcGVPcGFjaXR5IjozNSwiU2hhcGVTdHlsZSI6eyIkaWQiOiI2MTgiLCJNYXJnaW4iOnsiJHJlZiI6Ijg3In0sIlBhZGRpbmciOnsiJHJlZiI6Ijg4In0sIkJhY2tncm91bmQiOnsiJGlkIjoiNjE5IiwiQ29sb3IiOnsiJGlkIjoiNjIwIiwiQSI6MjU1LCJSIjoyNiwiRyI6MTcwLCJCIjo2Nn19LCJJc1Zpc2libGUiOnRydWUsIldpZHRoIjowLjAsIkhlaWdodCI6MTYuMCwiQm9yZGVyU3R5bGUiOnsiJGlkIjoiNjIxIiwiTGluZUNvbG9yIjp7IiRpZCI6IjYyMiIsIiR0eXBlIjoiTkxSRS5Db21tb24uRG9tLlNvbGlkQ29sb3JCcnVzaCwgTkxSRS5Db21tb24iLCJDb2xvciI6eyIkaWQiOiI2MjMiLCJBIjoyNTUsIlIiOjI1NSwiRyI6MCwiQiI6MH19LCJMaW5lV2VpZ2h0IjowLjAsIkxpbmVUeXBlIjowLCJQYXJlbnRTdHlsZSI6bnVsbH0sIlBhcmVudFN0eWxlIjpudWxsfSwiVGl0bGVTdHlsZSI6eyIkaWQiOiI2MjQiLCJGb250U2V0dGluZ3MiOnsiJGlkIjoiNjI1IiwiRm9udFNpemUiOjExLCJGb250TmFtZSI6IkNhbGlicmkiLCJJc0JvbGQiOnRydWUsIklzSXRhbGljIjpmYWxzZSwiSXNVbmRlcmxpbmVkIjpmYWxzZSwiUGFyZW50U3R5bGUiOm51bGx9LCJBdXRvU2l6ZSI6MCwiRm9yZWdyb3VuZCI6eyIkaWQiOiI2MjYiLCJDb2xvciI6eyIkaWQiOiI2MjciLCJBIjoyNTUsIlIiOjAsIkciOjAsIkIiOjB9fSwiTWF4V2lkdGgiOjcyMC4wLCJNYXhIZWlnaHQiOiJJbmZpbml0eSIsIlNtYXJ0Rm9yZWdyb3VuZElzQWN0aXZlIjpmYWxzZSwiSG9yaXpvbnRhbEFsaWdubWVudCI6MCwiVmVydGljYWxBbGlnbm1lbnQiOjAsIlNtYXJ0Rm9yZWdyb3VuZCI6bnVsbCwiQmFja2dyb3VuZEZpbGxUeXBlIjowLCJNYXJnaW4iOnsiJHJlZiI6Ijk4In0sIlBhZGRpbmciOnsiJHJlZiI6Ijk5In0sIkJhY2tncm91bmQiOnsiJGlkIjoiNjI4IiwiQ29sb3IiOnsiJGlkIjoiNjI5IiwiQSI6MCwiUiI6MjU1LCJHIjoyNTUsIkIiOjI1NX19LCJJc1Zpc2libGUiOnRydWUsIldpZHRoIjowLjAsIkhlaWdodCI6MC4wLCJCb3JkZXJTdHlsZSI6eyIkaWQiOiI2MzAiLCJMaW5lQ29sb3IiOm51bGwsIkxpbmVXZWlnaHQiOjAuMCwiTGluZVR5cGUiOjAsIlBhcmVudFN0eWxlIjpudWxsfSwiUGFyZW50U3R5bGUiOm51bGx9LCJEYXRlU3R5bGUiOnsiJGlkIjoiNjMxIiwiRm9udFNldHRpbmdzIjp7IiRpZCI6IjYzMiIsIkZvbnRTaXplIjoxMCwiRm9udE5hbWUiOiJDYWxpYnJpIiwiSXNCb2xkIjpmYWxzZSwiSXNJdGFsaWMiOmZhbHNlLCJJc1VuZGVybGluZWQiOmZhbHNlLCJQYXJlbnRTdHlsZSI6bnVsbH0sIkF1dG9TaXplIjowLCJGb3JlZ3JvdW5kIjp7IiRpZCI6IjYzMyIsIkNvbG9yIjp7IiRpZCI6IjYzNCIsIkEiOjI1NSwiUiI6NjgsIkciOjg0LCJCIjoxMDZ9fSwiTWF4V2lkdGgiOjIwMC4wLCJNYXhIZWlnaHQiOiJJbmZpbml0eSIsIlNtYXJ0Rm9yZWdyb3VuZElzQWN0aXZlIjpmYWxzZSwiSG9yaXpvbnRhbEFsaWdubWVudCI6MSwiVmVydGljYWxBbGlnbm1lbnQiOjAsIlNtYXJ0Rm9yZWdyb3VuZCI6bnVsbCwiQmFja2dyb3VuZEZpbGxUeXBlIjowLCJNYXJnaW4iOnsiJHJlZiI6IjEwNyJ9LCJQYWRkaW5nIjp7IiRyZWYiOiIxMDgifSwiQmFja2dyb3VuZCI6eyIkaWQiOiI2MzUiLCJDb2xvciI6eyIkaWQiOiI2MzYiLCJBIjowLCJSIjoyNTUsIkciOjI1NSwiQiI6MjU1fX0sIklzVmlzaWJsZSI6dHJ1ZSwiV2lkdGgiOjAuMCwiSGVpZ2h0IjowLjAsIkJvcmRlclN0eWxlIjp7IiRpZCI6IjYzNyIsIkxpbmVDb2xvciI6bnVsbCwiTGluZVdlaWdodCI6MC4wLCJMaW5lVHlwZSI6MCwiUGFyZW50U3R5bGUiOm51bGx9LCJQYXJlbnRTdHlsZSI6bnVsbH0sIkRhdGVGb3JtYXQiOnsiJGlkIjoiNjM4IiwiRm9ybWF0U3RyaW5nIjoiTU1NIGQiLCJTZXBhcmF0b3IiOiIvIiwiVXNlSW50ZXJuYXRpb25hbERhdGVGb3JtYXQiOmZhbHNlLCJEYXRlSXNWaXNpYmxlIjp0cnVlLCJUaW1lSXNWaXNpYmxlIjpmYWxzZSwiSG91ckRpZ2l0cyI6MSwiQW1QbURlc2lnbmF0b3IiOjIsIlRyaW0wME1pbnV0ZXMiOmZhbHNlLCJMYXN0S25vd25WaXNpYmlsaXR5U3RhdGUiOm51bGx9LCJXZWVrTnVtYmVyaW5nIjp7IiRpZCI6IjYzOSIsIkZvcm1hdCI6MCwiSXNWaXNpYmxlIjpmYWxzZSwiTGFzdEtub3duVmlzaWJpbGl0eVN0YXRlIjpmYWxzZX0sIklzVmlzaWJsZSI6dHJ1ZSwiUGFyZW50U3R5bGUiOm51bGx9LCJJbmRleCI6MTQsIlNtYXJ0RHVyYXRpb25BY3RpdmF0ZWQiOmZhbHNlLCJEYXRlRm9ybWF0Ijp7IiRyZWYiOiI2MzgifSwiV2Vla051bWJlcmluZyI6eyIkaWQiOiI2NDAiLCJGb3JtYXQiOjAsIklzVmlzaWJsZSI6ZmFsc2UsIkxhc3RLbm93blZpc2liaWxpdHlTdGF0ZSI6ZmFsc2V9LCJJZCI6ImZlMzA1ODE3LTRiM2QtNDQ3Yi05ZWMzLTg2Y2M4ODlkNTE1OCIsIkltcG9ydElkIjpudWxsLCJUaXRsZSI6IkRlcGxveW1lbnQiLCJOb3RlIjpudWxsLCJIeXBlcmxpbmsiOnsiJGlkIjoiNjQxIiwiQWRkcmVzcyI6IiIsIlN1YkFkZHJlc3MiOiIifSwiSXNDaGFuZ2VkIjpmYWxzZSwiSXNOZXciOmZhbHNlfX1dLCJfbWlsZXN0b25lcyI6W10sIklkIjoiMDAwMDAwMDAtMDAwMC0wMDAwLTAwMDAtMDAwMDAwMDAwMDAwIiwiSXNTaW5nbGVJdGVtUm93Ijp0cnVlfV0sIkluZGV4IjoxMywiSWQiOiI3ZjY1YzYzMy0yM2RlLTQ0YzUtYjVjMi00YTVlMTI5MWQwNjYiLCJIZWFkZXJUZXh0IjpudWxsLCJJc0RlZmF1bHQiOnRydWUsIlN0eWxlIjp7IiRpZCI6IjY0MiIsIkhlYWRlclN0eWxlIjp7IiRpZCI6IjY0MyIsIlRleHRTdHlsZSI6eyIkaWQiOiI2NDQiLCJGb250U2V0dGluZ3MiOnsiJGlkIjoiNjQ1IiwiRm9udFNpemUiOjExLCJGb250TmFtZSI6IkNhbGlicmkiLCJJc0JvbGQiOmZhbHNlLCJJc0l0YWxpYyI6ZmFsc2UsIklzVW5kZXJsaW5lZCI6ZmFsc2UsIlBhcmVudFN0eWxlIjpudWxsfSwiQXV0b1NpemUiOjIsIkZvcmVncm91bmQiOnsiJGlkIjoiNjQ2IiwiQ29sb3IiOnsiJGlkIjoiNjQ3IiwiQSI6MjU1LCJSIjowLCJHIjowLCJCIjowfX0sIk1heFdpZHRoIjowLjAsIk1heEhlaWdodCI6IkluZmluaXR5IiwiU21hcnRGb3JlZ3JvdW5kSXNBY3RpdmUiOmZhbHNlLCJIb3Jpem9udGFsQWxpZ25tZW50IjowLCJWZXJ0aWNhbEFsaWdubWVudCI6MCwiU21hcnRGb3JlZ3JvdW5kIjpudWxsLCJCYWNrZ3JvdW5kRmlsbFR5cGUiOjAsIk1hcmdpbiI6eyIkaWQiOiI2NDgiLCJUb3AiOjAuMCwiTGVmdCI6MC4wLCJSaWdodCI6MC4wLCJCb3R0b20iOjAuMH0sIlBhZGRpbmciOnsiJGlkIjoiNjQ5IiwiVG9wIjowLjAsIkxlZnQiOjAuMCwiUmlnaHQiOjAuMCwiQm90dG9tIjowLjB9LCJCYWNrZ3JvdW5kIjpudWxsLCJJc1Zpc2libGUiOnRydWUsIldpZHRoIjowLjAsIkhlaWdodCI6MC4wLCJCb3JkZXJTdHlsZSI6bnVsbCwiUGFyZW50U3R5bGUiOm51bGx9LCJSZWN0YW5nbGVTdHlsZSI6eyIkaWQiOiI2NTAiLCJNYXJnaW4iOnsiJGlkIjoiNjUxIiwiVG9wIjowLjAsIkxlZnQiOjAuMCwiUmlnaHQiOjAuMCwiQm90dG9tIjowLjB9LCJQYWRkaW5nIjp7IiRpZCI6IjY1MiIsIlRvcCI6MC4wLCJMZWZ0IjowLjAsIlJpZ2h0IjowLjAsIkJvdHRvbSI6MC4wfSwiQmFja2dyb3VuZCI6eyIkaWQiOiI2NTMiLCJDb2xvciI6eyIkaWQiOiI2NTQiLCJBIjo2MywiUiI6MjM3LCJHIjoxMjUsIkIiOjQ5fX0sIklzVmlzaWJsZSI6dHJ1ZSwiV2lkdGgiOjAuMCwiSGVpZ2h0IjowLjAsIkJvcmRlclN0eWxlIjp7IiRpZCI6IjY1NSIsIkxpbmVDb2xvciI6eyIkaWQiOiI2NTYiLCIkdHlwZSI6Ik5MUkUuQ29tbW9uLkRvbS5Tb2xpZENvbG9yQnJ1c2gsIE5MUkUuQ29tbW9uIiwiQ29sb3IiOnsiJGlkIjoiNjU3IiwiQSI6MjU1LCJSIjoyNTUsIkciOjAsIkIiOjB9fSwiTGluZVdlaWdodCI6MC4wLCJMaW5lVHlwZSI6MCwiUGFyZW50U3R5bGUiOm51bGx9LCJQYXJlbnRTdHlsZSI6bnVsbH0sIk1hcmdpbiI6eyIkaWQiOiI2NTgiLCJUb3AiOjAuMCwiTGVmdCI6MC4wLCJSaWdodCI6MC4wLCJCb3R0b20iOjAuMH0sIlBhZGRpbmciOnsiJGlkIjoiNjU5IiwiVG9wIjowLjAsIkxlZnQiOjAuMCwiUmlnaHQiOjAuMCwiQm90dG9tIjowLjB9LCJCYWNrZ3JvdW5kIjpudWxsLCJJc1Zpc2libGUiOnRydWUsIldpZHRoIjowLjAsIkhlaWdodCI6MC4wLCJCb3JkZXJTdHlsZSI6bnVsbCwiUGFyZW50U3R5bGUiOm51bGx9LCJCYWNrZ3JvdW5kU3R5bGUiOnsiJGlkIjoiNjYwIiwiTWFyZ2luIjp7IiRpZCI6IjY2MSIsIlRvcCI6MC4wLCJMZWZ0IjowLjAsIlJpZ2h0IjowLjAsIkJvdHRvbSI6MC4wfSwiUGFkZGluZyI6eyIkaWQiOiI2NjIiLCJUb3AiOjAuMCwiTGVmdCI6MC4wLCJSaWdodCI6MC4wLCJCb3R0b20iOjAuMH0sIkJhY2tncm91bmQiOnsiJGlkIjoiNjYzIiwiQ29sb3IiOnsiJGlkIjoiNjY0IiwiQSI6NTEsIlIiOjE2NSwiRyI6MTY1LCJCIjoxNjV9fSwiSXNWaXNpYmxlIjp0cnVlLCJXaWR0aCI6MC4wLCJIZWlnaHQiOjAuMCwiQm9yZGVyU3R5bGUiOnsiJGlkIjoiNjY1IiwiTGluZUNvbG9yIjp7IiRpZCI6IjY2NiIsIiR0eXBlIjoiTkxSRS5Db21tb24uRG9tLlNvbGlkQ29sb3JCcnVzaCwgTkxSRS5Db21tb24iLCJDb2xvciI6eyIkaWQiOiI2NjciLCJBIjoyNTUsIlIiOjI1NSwiRyI6MCwiQiI6MH19LCJMaW5lV2VpZ2h0IjowLjAsIkxpbmVUeXBlIjowLCJQYXJlbnRTdHlsZSI6bnVsbH0sIlBhcmVudFN0eWxlIjpudWxsfSwiTWFyZ2luIjp7IiRpZCI6IjY2OCIsIlRvcCI6MC4wLCJMZWZ0IjowLjAsIlJpZ2h0IjowLjAsIkJvdHRvbSI6MC4wfSwiUGFkZGluZyI6eyIkaWQiOiI2NjkiLCJUb3AiOjAuMCwiTGVmdCI6MC4wLCJSaWdodCI6MC4wLCJCb3R0b20iOjAuMH0sIklzVmlzaWJsZSI6ZmFsc2UsIldpZHRoIjowLjAsIkhlaWdodCI6MC4wLCJCb3JkZXJTdHlsZSI6bnVsbCwiUGFyZW50U3R5bGUiOm51bGx9fV0sIklkIjoiODczNDMxYTgtMGYwZS00N2FlLWJmZmEtYjA4ZGI5NmY5ZTVkIiwiSW5kZXgiOjEzLCJIZWFkZXJUZXh0IjoiUmVsZWFzaW5nIiwiU3R5bGUiOnsiJGlkIjoiNjcwIiwiSGVhZGVyU3R5bGUiOnsiJGlkIjoiNjcxIiwiVGV4dElzVmVydGljYWwiOmZhbHNlLCJUZXh0U3R5bGUiOnsiJGlkIjoiNjcyIiwiRm9udFNldHRpbmdzIjp7IiRpZCI6IjY3MyIsIkZvbnRTaXplIjoxMiwiRm9udE5hbWUiOiJDYWxpYnJpIiwiSXNCb2xkIjpmYWxzZSwiSXNJdGFsaWMiOmZhbHNlLCJJc1VuZGVybGluZWQiOmZhbHNlLCJQYXJlbnRTdHlsZSI6bnVsbH0sIkF1dG9TaXplIjoyLCJGb3JlZ3JvdW5kIjp7IiRyZWYiOiI1NzkifSwiTWF4V2lkdGgiOjE2MC4wLCJNYXhIZWlnaHQiOiJJbmZpbml0eSIsIlNtYXJ0Rm9yZWdyb3VuZElzQWN0aXZlIjpmYWxzZSwiSG9yaXpvbnRhbEFsaWdubWVudCI6MCwiVmVydGljYWxBbGlnbm1lbnQiOjAsIlNtYXJ0Rm9yZWdyb3VuZCI6bnVsbCwiQmFja2dyb3VuZEZpbGxUeXBlIjowLCJNYXJnaW4iOnsiJHJlZiI6IjU4MSJ9LCJQYWRkaW5nIjp7IiRyZWYiOiI1ODIifSwiQmFja2dyb3VuZCI6bnVsbCwiSXNWaXNpYmxlIjp0cnVlLCJXaWR0aCI6MC4wLCJIZWlnaHQiOjAuMCwiQm9yZGVyU3R5bGUiOm51bGwsIlBhcmVudFN0eWxlIjpudWxsfSwiUmVjdGFuZ2xlU3R5bGUiOnsiJGlkIjoiNjc0IiwiTWFyZ2luIjp7IiRpZCI6IjY3NSIsIlRvcCI6MC4wLCJMZWZ0IjowLjAsIlJpZ2h0IjowLjAsIkJvdHRvbSI6MC4wfSwiUGFkZGluZyI6eyIkaWQiOiI2NzYiLCJUb3AiOjAuMCwiTGVmdCI6MC4wLCJSaWdodCI6MC4wLCJCb3R0b20iOjAuMH0sIkJhY2tncm91bmQiOnsiJGlkIjoiNjc3IiwiQ29sb3IiOnsiJGlkIjoiNjc4IiwiQSI6MjU1LCJSIjoyMzcsIkciOjEyNSwiQiI6NDl9fSwiSXNWaXNpYmxlIjp0cnVlLCJXaWR0aCI6MC4wLCJIZWlnaHQiOjAuMCwiQm9yZGVyU3R5bGUiOnsiJGlkIjoiNjc5IiwiTGluZUNvbG9yIjp7IiRpZCI6IjY4MCIsIiR0eXBlIjoiTkxSRS5Db21tb24uRG9tLlNvbGlkQ29sb3JCcnVzaCwgTkxSRS5Db21tb24iLCJDb2xvciI6eyIkaWQiOiI2ODEiLCJBIjoyNTUsIlIiOjI1NSwiRyI6MCwiQiI6MH19LCJMaW5lV2VpZ2h0IjowLjAsIkxpbmVUeXBlIjowLCJQYXJlbnRTdHlsZSI6bnVsbH0sIlBhcmVudFN0eWxlIjpudWxsfSwiTWFyZ2luIjp7IiRpZCI6IjY4MiIsIlRvcCI6MC4wLCJMZWZ0IjowLjAsIlJpZ2h0IjowLjAsIkJvdHRvbSI6MC4wfSwiUGFkZGluZyI6eyIkaWQiOiI2ODMiLCJUb3AiOjAuMCwiTGVmdCI6MC4wLCJSaWdodCI6MC4wLCJCb3R0b20iOjAuMH0sIkJhY2tncm91bmQiOm51bGwsIklzVmlzaWJsZSI6dHJ1ZSwiV2lkdGgiOjAuMCwiSGVpZ2h0IjowLjAsIkJvcmRlclN0eWxlIjpudWxsLCJQYXJlbnRTdHlsZSI6bnVsbH0sIkJhY2tncm91bmRTdHlsZSI6eyIkaWQiOiI2ODQiLCJNYXJnaW4iOnsiJGlkIjoiNjg1IiwiVG9wIjowLjAsIkxlZnQiOjAuMCwiUmlnaHQiOjAuMCwiQm90dG9tIjowLjB9LCJQYWRkaW5nIjp7IiRpZCI6IjY4NiIsIlRvcCI6MC4wLCJMZWZ0IjowLjAsIlJpZ2h0IjowLjAsIkJvdHRvbSI6MC4wfSwiQmFja2dyb3VuZCI6eyIkaWQiOiI2ODciLCJDb2xvciI6eyIkaWQiOiI2ODgiLCJBIjo1MSwiUiI6MTY1LCJHIjoxNjUsIkIiOjE2NX19LCJJc1Zpc2libGUiOnRydWUsIldpZHRoIjowLjAsIkhlaWdodCI6MC4wLCJCb3JkZXJTdHlsZSI6eyIkaWQiOiI2ODkiLCJMaW5lQ29sb3IiOnsiJGlkIjoiNjkwIiwiJHR5cGUiOiJOTFJFLkNvbW1vbi5Eb20uU29saWRDb2xvckJydXNoLCBOTFJFLkNvbW1vbiIsIkNvbG9yIjp7IiRpZCI6IjY5MSIsIkEiOjI1NSwiUiI6MjU1LCJHIjowLCJCIjowfX0sIkxpbmVXZWlnaHQiOjAuMCwiTGluZVR5cGUiOjAsIlBhcmVudFN0eWxlIjpudWxsfSwiUGFyZW50U3R5bGUiOm51bGx9LCJJc0Fib3ZlVGltZWJhbmQiOmZhbHNlLCJNYXJnaW4iOnsiJGlkIjoiNjkyIiwiVG9wIjowLjAsIkxlZnQiOjAuMCwiUmlnaHQiOjAuMCwiQm90dG9tIjowLjB9LCJQYWRkaW5nIjp7IiRpZCI6IjY5MyIsIlRvcCI6MC4wLCJMZWZ0IjowLjAsIlJpZ2h0IjowLjAsIkJvdHRvbSI6MC4wfSwiSXNWaXNpYmxlIjp0cnVlLCJXaWR0aCI6MC4wLCJIZWlnaHQiOjAuMCwiQm9yZGVyU3R5bGUiOnsiJGlkIjoiNjk0IiwiTGluZUNvbG9yIjpudWxsLCJMaW5lV2VpZ2h0IjowLjAsIkxpbmVUeXBlIjowLCJQYXJlbnRTdHlsZSI6bnVsbH0sIlBhcmVudFN0eWxlIjpudWxsfX1dLCJDdWx0dXJlSW5mb05hbWUiOiJlbi1VUyIsIlN0eWxlTmFtZSI6bnVsbCwiVmVyc2lvbiI6eyIkaWQiOiI2OTUiLCJWZXJzaW9uIjoiMy42LjEiLCJPcmlnaW5hbEFzc2VtYmx5VmVyc2lvbiI6IjYuMDYuMDIuMDAiLCJFZGl0aW9uIjpudWxsLCJMYXN0U2F2ZWRFZGl0aW9uIjowLCJJc1BsdXNFZGl0aW9uIjpmYWxzZSwiSXNQcm9FZGl0aW9uIjpmYWxzZX0sIkVmZmVjdCI6MSwiU3R5bGUiOnsiJGlkIjoiNjk2IiwiVGltZWJhbmRTdHlsZSI6eyIkaWQiOiI2OTciLCJTY2FsZU1hcmtpbmciOjAsIlNoYXBlIjowLCJTaGFwZVN0eWxlIjp7IiRpZCI6IjY5OCIsIk1hcmdpbiI6eyIkaWQiOiI2OTkiLCJUb3AiOjAuMCwiTGVmdCI6MTAuMCwiUmlnaHQiOjEwLjAsIkJvdHRvbSI6MC4wfSwiUGFkZGluZyI6eyIkaWQiOiI3MDAiLCJUb3AiOjUuMCwiTGVmdCI6MTMuMCwiUmlnaHQiOjEzLjAsIkJvdHRvbSI6NS4wfSwiQmFja2dyb3VuZCI6eyIkaWQiOiI3MDEiLCJDb2xvciI6eyIkaWQiOiI3MDIiLCJBIjoyNTUsIlIiOjY4LCJHIjo4NCwiQiI6MTA2fX0sIklzVmlzaWJsZSI6dHJ1ZSwiV2lkdGgiOjg1OC4wLCJIZWlnaHQiOjMwLjAsIkJvcmRlclN0eWxlIjp7IiRpZCI6IjcwMyIsIkxpbmVDb2xvciI6eyIkaWQiOiI3MDQiLCIkdHlwZSI6Ik5MUkUuQ29tbW9uLkRvbS5Tb2xpZENvbG9yQnJ1c2gsIE5MUkUuQ29tbW9uIiwiQ29sb3IiOnsiJGlkIjoiNzA1IiwiQSI6MjU1LCJSIjoyNTUsIkciOjAsIkIiOjB9fSwiTGluZVdlaWdodCI6MC4wLCJMaW5lVHlwZSI6MCwiUGFyZW50U3R5bGUiOm51bGx9LCJQYXJlbnRTdHlsZSI6bnVsbH0sIk1pZGRsZVRpZXJTaGFwZVN0eWxlIjp7IiRpZCI6IjcwNiIsIk1hcmdpbiI6eyIkaWQiOiI3MDciLCJUb3AiOjAuMCwiTGVmdCI6MTAuMCwiUmlnaHQiOjEwLjAsIkJvdHRvbSI6MC4wfSwiUGFkZGluZyI6eyIkaWQiOiI3MDgiLCJUb3AiOjUuMCwiTGVmdCI6MTMuMCwiUmlnaHQiOjEzLjAsIkJvdHRvbSI6NS4wfSwiQmFja2dyb3VuZCI6eyIkaWQiOiI3MDkiLCJDb2xvciI6eyIkaWQiOiI3MTAiLCJBIjoyNTUsIlIiOjY4LCJHIjo4NCwiQiI6MTA2fX0sIklzVmlzaWJsZSI6dHJ1ZSwiV2lkdGgiOjg1OC4wLCJIZWlnaHQiOjMwLjAsIkJvcmRlclN0eWxlIjp7IiRpZCI6IjcxMSIsIkxpbmVDb2xvciI6eyIkaWQiOiI3MTIiLCIkdHlwZSI6Ik5MUkUuQ29tbW9uLkRvbS5Tb2xpZENvbG9yQnJ1c2gsIE5MUkUuQ29tbW9uIiwiQ29sb3IiOnsiJGlkIjoiNzEzIiwiQSI6MjU1LCJSIjoyNTUsIkciOjAsIkIiOjB9fSwiTGluZVdlaWdodCI6MC4wLCJMaW5lVHlwZSI6MCwiUGFyZW50U3R5bGUiOm51bGx9LCJQYXJlbnRTdHlsZSI6bnVsbH0sIkJvdHRvbVRpZXJTaGFwZVN0eWxlIjp7IiRpZCI6IjcxNCIsIk1hcmdpbiI6eyIkaWQiOiI3MTUiLCJUb3AiOjAuMCwiTGVmdCI6MTAuMCwiUmlnaHQiOjEwLjAsIkJvdHRvbSI6MC4wfSwiUGFkZGluZyI6eyIkaWQiOiI3MTYiLCJUb3AiOjUuMCwiTGVmdCI6MTMuMCwiUmlnaHQiOjEzLjAsIkJvdHRvbSI6NS4wfSwiQmFja2dyb3VuZCI6eyIkaWQiOiI3MTciLCJDb2xvciI6eyIkaWQiOiI3MTgiLCJBIjoyNTUsIlIiOjY4LCJHIjo4NCwiQiI6MTA2fX0sIklzVmlzaWJsZSI6dHJ1ZSwiV2lkdGgiOjg1OC4wLCJIZWlnaHQiOjMwLjAsIkJvcmRlclN0eWxlIjp7IiRpZCI6IjcxOSIsIkxpbmVDb2xvciI6eyIkaWQiOiI3MjAiLCIkdHlwZSI6Ik5MUkUuQ29tbW9uLkRvbS5Tb2xpZENvbG9yQnJ1c2gsIE5MUkUuQ29tbW9uIiwiQ29sb3IiOnsiJGlkIjoiNzIxIiwiQSI6MjU1LCJSIjoyNTUsIkciOjAsIkIiOjB9fSwiTGluZVdlaWdodCI6MC4wLCJMaW5lVHlwZSI6MCwiUGFyZW50U3R5bGUiOm51bGx9LCJQYXJlbnRTdHlsZSI6bnVsbH0sIlJpZ2h0RW5kQ2Fwc1N0eWxlIjp7IiRpZCI6IjcyMiIsIkZvbnRTZXR0aW5ncyI6eyIkaWQiOiI3MjMiLCJGb250U2l6ZSI6MTgsIkZvbnROYW1lIjoiQ2FsaWJyaSIsIklzQm9sZCI6dHJ1ZSwiSXNJdGFsaWMiOmZhbHNlLCJJc1VuZGVybGluZWQiOmZhbHNlLCJQYXJlbnRTdHlsZSI6bnVsbH0sIkF1dG9TaXplIjowLCJGb3JlZ3JvdW5kIjp7IiRpZCI6IjcyNCIsIkNvbG9yIjp7IiRpZCI6IjcyNSIsIkEiOjI1NSwiUiI6MjM3LCJHIjoxMjUsIkIiOjQ5fX0sIk1heFdpZHRoIjoiSW5maW5pdHkiLCJNYXhIZWlnaHQiOiJJbmZpbml0eSIsIlNtYXJ0Rm9yZWdyb3VuZElzQWN0aXZlIjpmYWxzZSwiSG9yaXpvbnRhbEFsaWdubWVudCI6MCwiVmVydGljYWxBbGlnbm1lbnQiOjAsIlNtYXJ0Rm9yZWdyb3VuZCI6bnVsbCwiQmFja2dyb3VuZEZpbGxUeXBlIjowLCJNYXJnaW4iOnsiJGlkIjoiNzI2IiwiVG9wIjowLjAsIkxlZnQiOjAuMCwiUmlnaHQiOjIwLjAsIkJvdHRvbSI6MC4wfSwiUGFkZGluZyI6eyIkaWQiOiI3MjciLCJUb3AiOjAuMCwiTGVmdCI6MC4wLCJSaWdodCI6MC4wLCJCb3R0b20iOjAuMH0sIkJhY2tncm91bmQiOnsiJGlkIjoiNzI4IiwiQ29sb3IiOnsiJHJlZiI6IjcwIn19LCJJc1Zpc2libGUiOnRydWUsIldpZHRoIjowLjAsIkhlaWdodCI6MC4wLCJCb3JkZXJTdHlsZSI6bnVsbCwiUGFyZW50U3R5bGUiOm51bGx9LCJMZWZ0RW5kQ2Fwc1N0eWxlIjp7IiRpZCI6IjcyOSIsIkZvbnRTZXR0aW5ncyI6eyIkaWQiOiI3MzAiLCJGb250U2l6ZSI6MTgsIkZvbnROYW1lIjoiQ2FsaWJyaSIsIklzQm9sZCI6dHJ1ZSwiSXNJdGFsaWMiOmZhbHNlLCJJc1VuZGVybGluZWQiOmZhbHNlLCJQYXJlbnRTdHlsZSI6bnVsbH0sIkF1dG9TaXplIjowLCJGb3JlZ3JvdW5kIjp7IiRpZCI6IjczMSIsIkNvbG9yIjp7IiRpZCI6IjczMiIsIkEiOjI1NSwiUiI6MjM3LCJHIjoxMjUsIkIiOjQ5fX0sIk1heFdpZHRoIjoiSW5maW5pdHkiLCJNYXhIZWlnaHQiOiJJbmZpbml0eSIsIlNtYXJ0Rm9yZWdyb3VuZElzQWN0aXZlIjpmYWxzZSwiSG9yaXpvbnRhbEFsaWdubWVudCI6MCwiVmVydGljYWxBbGlnbm1lbnQiOjAsIlNtYXJ0Rm9yZWdyb3VuZCI6bnVsbCwiQmFja2dyb3VuZEZpbGxUeXBlIjowLCJNYXJnaW4iOnsiJGlkIjoiNzMzIiwiVG9wIjowLjAsIkxlZnQiOjExNS41MDY2NjY2NjY2NjY2NiwiUmlnaHQiOjAuMCwiQm90dG9tIjowLjB9LCJQYWRkaW5nIjp7IiRpZCI6IjczNCIsIlRvcCI6MC4wLCJMZWZ0IjowLjAsIlJpZ2h0IjowLjAsIkJvdHRvbSI6MC4wfSwiQmFja2dyb3VuZCI6eyIkaWQiOiI3MzUiLCJDb2xvciI6eyIkcmVmIjoiNzAifX0sIklzVmlzaWJsZSI6ZmFsc2UsIldpZHRoIjowLjAsIkhlaWdodCI6MC4wLCJCb3JkZXJTdHlsZSI6bnVsbCwiUGFyZW50U3R5bGUiOm51bGx9LCJUb2RheVRleHRTdHlsZSI6eyIkaWQiOiI3MzYiLCJGb250U2V0dGluZ3MiOnsiJGlkIjoiNzM3IiwiRm9udFNpemUiOjEyLCJGb250TmFtZSI6IkNhbGlicmkiLCJJc0JvbGQiOmZhbHNlLCJJc0l0YWxpYyI6ZmFsc2UsIklzVW5kZXJsaW5lZCI6ZmFsc2UsIlBhcmVudFN0eWxlIjpudWxsfSwiQXV0b1NpemUiOjAsIkZvcmVncm91bmQiOnsiJGlkIjoiNzM4IiwiQ29sb3IiOnsiJGlkIjoiNzM5IiwiQSI6MjU1LCJSIjowLCJHIjowLCJCIjowfX0sIk1heFdpZHRoIjoyMDAuMCwiTWF4SGVpZ2h0IjoiSW5maW5pdHkiLCJTbWFydEZvcmVncm91bmRJc0FjdGl2ZSI6ZmFsc2UsIkhvcml6b250YWxBbGlnbm1lbnQiOjAsIlZlcnRpY2FsQWxpZ25tZW50IjowLCJTbWFydEZvcmVncm91bmQiOm51bGwsIkJhY2tncm91bmRGaWxsVHlwZSI6MCwiTWFyZ2luIjp7IiRpZCI6Ijc0MCIsIlRvcCI6MC4wLCJMZWZ0IjowLjAsIlJpZ2h0IjowLjAsIkJvdHRvbSI6MC4wfSwiUGFkZGluZyI6eyIkaWQiOiI3NDEiLCJUb3AiOjAuMCwiTGVmdCI6MC4wLCJSaWdodCI6MC4wLCJCb3R0b20iOjAuMH0sIkJhY2tncm91bmQiOnsiJGlkIjoiNzQyIiwiQ29sb3IiOnsiJHJlZiI6IjcwIn19LCJJc1Zpc2libGUiOnRydWUsIldpZHRoIjowLjAsIkhlaWdodCI6MC4wLCJCb3JkZXJTdHlsZSI6bnVsbCwiUGFyZW50U3R5bGUiOm51bGx9LCJUb2RheU1hcmtlclN0eWxlIjp7IiRpZCI6Ijc0MyIsIk1hcmdpbiI6eyIkaWQiOiI3NDQiLCJUb3AiOjAuMCwiTGVmdCI6MC4wLCJSaWdodCI6MC4wLCJCb3R0b20iOjAuMH0sIlBhZGRpbmciOnsiJGlkIjoiNzQ1IiwiVG9wIjowLjAsIkxlZnQiOjAuMCwiUmlnaHQiOjAuMCwiQm90dG9tIjowLjB9LCJCYWNrZ3JvdW5kIjp7IiRpZCI6Ijc0NiIsIkNvbG9yIjp7IiRpZCI6Ijc0NyIsIkEiOjI1NSwiUiI6MjU1LCJHIjowLCJCIjowfX0sIklzVmlzaWJsZSI6dHJ1ZSwiV2lkdGgiOjAuMCwiSGVpZ2h0IjowLjAsIkJvcmRlclN0eWxlIjpudWxsLCJQYXJlbnRTdHlsZSI6bnVsbH0sIlNjYWxlU3R5bGUiOnsiJGlkIjoiNzQ4IiwiU2hhcGUiOjQsIlNob3dTZWdtZW50U2VwYXJhdG9ycyI6dHJ1ZSwiU2VnbWVudFNlcGFyYXRvck9wYWNpdHkiOjMwLCJIYXNCZWVuVmlzaWJsZUJlZm9yZSI6dHJ1ZSwiRm9udFNldHRpbmdzIjp7IiRpZCI6Ijc0OSIsIkZvbnRTaXplIjoxMiwiRm9udE5hbWUiOiJDYWxpYnJpIiwiSXNCb2xkIjpmYWxzZSwiSXNJdGFsaWMiOmZhbHNlLCJJc1VuZGVybGluZWQiOmZhbHNlLCJQYXJlbnRTdHlsZSI6bnVsbH0sIkF1dG9TaXplIjowLCJGb3JlZ3JvdW5kIjp7IiRpZCI6Ijc1MCIsIkNvbG9yIjp7IiRpZCI6Ijc1MSIsIkEiOjI1NSwiUiI6MjU1LCJHIjoyNTUsIkIiOjI1NX19LCJNYXhXaWR0aCI6MjAwLjAsIk1heEhlaWdodCI6IkluZmluaXR5IiwiU21hcnRGb3JlZ3JvdW5kSXNBY3RpdmUiOmZhbHNlLCJIb3Jpem9udGFsQWxpZ25tZW50IjowLCJWZXJ0aWNhbEFsaWdubWVudCI6MSwiU21hcnRGb3JlZ3JvdW5kIjpudWxsLCJCYWNrZ3JvdW5kRmlsbFR5cGUiOjAsIk1hcmdpbiI6eyIkaWQiOiI3NTIiLCJUb3AiOjAuMCwiTGVmdCI6NS4wLCJSaWdodCI6MC4wLCJCb3R0b20iOjAuMH0sIlBhZGRpbmciOnsiJGlkIjoiNzUzIiwiVG9wIjowLjAsIkxlZnQiOjAuMCwiUmlnaHQiOjAuMCwiQm90dG9tIjowLjB9LCJCYWNrZ3JvdW5kIjp7IiRpZCI6Ijc1NCIsIkNvbG9yIjp7IiRyZWYiOiI3MCJ9fSwiSXNWaXNpYmxlIjp0cnVlLCJXaWR0aCI6MC4wLCJIZWlnaHQiOjAuMCwiQm9yZGVyU3R5bGUiOm51bGwsIlBhcmVudFN0eWxlIjpudWxsfSwiU2luZ2xlU2NhbGVTaGFwZVN0eWxlIjp7IiRpZCI6Ijc1NSIsIlNoYXBlIjowLCJIZWlnaHQiOjAuMH0sIk1pZGRsZVRpZXJTY2FsZVN0eWxlIjp7IiRpZCI6Ijc1NiIsIlNoYXBlIjo0LCJTaG93U2VnbWVudFNlcGFyYXRvcnMiOnRydWUsIlNlZ21lbnRTZXBhcmF0b3JPcGFjaXR5IjozMCwiSGFzQmVlblZpc2libGVCZWZvcmUiOmZhbHNlLCJGb250U2V0dGluZ3MiOnsiJGlkIjoiNzU3IiwiRm9udFNpemUiOjEyLCJGb250TmFtZSI6IkNhbGlicmkiLCJJc0JvbGQiOmZhbHNlLCJJc0l0YWxpYyI6ZmFsc2UsIklzVW5kZXJsaW5lZCI6ZmFsc2UsIlBhcmVudFN0eWxlIjpudWxsfSwiQXV0b1NpemUiOjAsIkZvcmVncm91bmQiOnsiJGlkIjoiNzU4IiwiQ29sb3IiOnsiJGlkIjoiNzU5IiwiQSI6MjU1LCJSIjoyNTUsIkciOjI1NSwiQiI6MjU1fX0sIk1heFdpZHRoIjoyMDAuMCwiTWF4SGVpZ2h0IjoiSW5maW5pdHkiLCJTbWFydEZvcmVncm91bmRJc0FjdGl2ZSI6ZmFsc2UsIkhvcml6b250YWxBbGlnbm1lbnQiOjAsIlZlcnRpY2FsQWxpZ25tZW50IjoxLCJTbWFydEZvcmVncm91bmQiOm51bGwsIkJhY2tncm91bmRGaWxsVHlwZSI6MCwiTWFyZ2luIjp7IiRpZCI6Ijc2MCIsIlRvcCI6MC4wLCJMZWZ0Ijo1LjAsIlJpZ2h0IjowLjAsIkJvdHRvbSI6MC4wfSwiUGFkZGluZyI6eyIkaWQiOiI3NjEiLCJUb3AiOjAuMCwiTGVmdCI6MC4wLCJSaWdodCI6MC4wLCJCb3R0b20iOjAuMH0sIkJhY2tncm91bmQiOnsiJGlkIjoiNzYyIiwiQ29sb3IiOnsiJGlkIjoiNzYzIiwiQSI6MCwiUiI6MCwiRyI6MCwiQiI6MH19LCJJc1Zpc2libGUiOmZhbHNlLCJXaWR0aCI6MC4wLCJIZWlnaHQiOjAuMCwiQm9yZGVyU3R5bGUiOm51bGwsIlBhcmVudFN0eWxlIjpudWxsfSwiQm90dG9tVGllclNjYWxlU3R5bGUiOnsiJGlkIjoiNzY0IiwiU2hhcGUiOjQsIlNob3dTZWdtZW50U2VwYXJhdG9ycyI6dHJ1ZSwiU2VnbWVudFNlcGFyYXRvck9wYWNpdHkiOjMwLCJIYXNCZWVuVmlzaWJsZUJlZm9yZSI6ZmFsc2UsIkZvbnRTZXR0aW5ncyI6eyIkaWQiOiI3NjUiLCJGb250U2l6ZSI6MTIsIkZvbnROYW1lIjoiQ2FsaWJyaSIsIklzQm9sZCI6ZmFsc2UsIklzSXRhbGljIjpmYWxzZSwiSXNVbmRlcmxpbmVkIjpmYWxzZSwiUGFyZW50U3R5bGUiOm51bGx9LCJBdXRvU2l6ZSI6MCwiRm9yZWdyb3VuZCI6eyIkaWQiOiI3NjYiLCJDb2xvciI6eyIkaWQiOiI3NjciLCJBIjoyNTUsIlIiOjI1NSwiRyI6MjU1LCJCIjoyNTV9fSwiTWF4V2lkdGgiOjIwMC4wLCJNYXhIZWlnaHQiOiJJbmZpbml0eSIsIlNtYXJ0Rm9yZWdyb3VuZElzQWN0aXZlIjpmYWxzZSwiSG9yaXpvbnRhbEFsaWdubWVudCI6MCwiVmVydGljYWxBbGlnbm1lbnQiOjEsIlNtYXJ0Rm9yZWdyb3VuZCI6bnVsbCwiQmFja2dyb3VuZEZpbGxUeXBlIjowLCJNYXJnaW4iOnsiJGlkIjoiNzY4IiwiVG9wIjowLjAsIkxlZnQiOjUuMCwiUmlnaHQiOjAuMCwiQm90dG9tIjowLjB9LCJQYWRkaW5nIjp7IiRpZCI6Ijc2OSIsIlRvcCI6MC4wLCJMZWZ0IjowLjAsIlJpZ2h0IjowLjAsIkJvdHRvbSI6MC4wfSwiQmFja2dyb3VuZCI6eyIkaWQiOiI3NzAiLCJDb2xvciI6eyIkaWQiOiI3NzEiLCJBIjowLCJSIjowLCJHIjowLCJCIjowfX0sIklzVmlzaWJsZSI6ZmFsc2UsIldpZHRoIjowLjAsIkhlaWdodCI6MC4wLCJCb3JkZXJTdHlsZSI6bnVsbCwiUGFyZW50U3R5bGUiOm51bGx9LCJFbGFwc2VkVGltZUJhY2tncm91bmQiOnsiJGlkIjoiNzcyIiwiQ29sb3IiOnsiJGlkIjoiNzczIiwiQSI6NzcsIlIiOjI1NSwiRyI6MCwiQiI6MH19LCJBcHBlbmRZZWFyT25ZZWFyQ2hhbmdlIjp0cnVlLCJFbGFwc2VkVGltZUZvcm1hdCI6MSwiVG9kYXlNYXJrZXJQb3NpdGlvbiI6MywiUXVpY2tQb3NpdGlvbiI6MywiQWJzb2x1dGVQb3NpdGlvbiI6MjQwLjAsIk1hcmdpbiI6eyIkaWQiOiI3NzQiLCJUb3AiOjAuMCwiTGVmdCI6MTAuMCwiUmlnaHQiOjEwLjAsIkJvdHRvbSI6MC4wfSwiUGFkZGluZyI6eyIkaWQiOiI3NzUiLCJUb3AiOjAuMCwiTGVmdCI6MC4wLCJSaWdodCI6MC4wLCJCb3R0b20iOjAuMH0sIkJhY2tncm91bmQiOnsiJGlkIjoiNzc2IiwiQ29sb3IiOnsiJGlkIjoiNzc3IiwiQSI6MjU1LCJSIjoxMTUsIkciOjExNSwiQiI6MTE1fX0sIklzVmlzaWJsZSI6dHJ1ZSwiV2lkdGgiOjAuMCwiSGVpZ2h0IjowLjAsIkJvcmRlclN0eWxlIjpudWxsLCJQYXJlbnRTdHlsZSI6bnVsbH0sIkRlZmF1bHRNaWxlc3RvbmVTdHlsZSI6eyIkaWQiOiI3NzgiLCJTaGFwZSI6MCwiQ29ubmVjdG9yTWFyZ2luIjp7IiRpZCI6Ijc3OSIsIlRvcCI6MC4wLCJMZWZ0IjoyLjAsIlJpZ2h0IjoyLjAsIkJvdHRvbSI6MC4wfSwiQ29ubmVjdG9yU3R5bGUiOnsiJGlkIjoiNzgwIiwiTGluZUNvbG9yIjp7IiRpZCI6Ijc4MSIsIiR0eXBlIjoiTkxSRS5Db21tb24uRG9tLlNvbGlkQ29sb3JCcnVzaCwgTkxSRS5Db21tb24iLCJDb2xvciI6eyIkaWQiOiI3ODIiLCJBIjoxMjcsIlIiOjMxLCJHIjo3MywiQiI6MTI2fX0sIkxpbmVXZWlnaHQiOjEuMCwiTGluZVR5cGUiOjAsIlBhcmVudFN0eWxlIjpudWxsfSwiSXNCZWxvd1RpbWViYW5kIjpmYWxzZSwiUG9zaXRpb25PblRhc2siOjAsIkhpZGVEYXRlIjpmYWxzZSwiU2hhcGVTaXplIjoxLCJTcGFjaW5nIjoyLjAsIlBhZGRpbmciOnsiJGlkIjoiNzgzIiwiVG9wIjo3LjAsIkxlZnQiOjMuMCwiUmlnaHQiOjAuMCwiQm90dG9tIjoyLjB9LCJTaGFwZVN0eWxlIjp7IiRpZCI6Ijc4NCIsIk1hcmdpbiI6eyIkaWQiOiI3ODUiLCJUb3AiOjAuMCwiTGVmdCI6MC4wLCJSaWdodCI6MC4wLCJCb3R0b20iOjAuMH0sIlBhZGRpbmciOnsiJGlkIjoiNzg2IiwiVG9wIjowLjAsIkxlZnQiOjAuMCwiUmlnaHQiOjAuMCwiQm90dG9tIjowLjB9LCJCYWNrZ3JvdW5kIjp7IiRpZCI6Ijc4NyIsIkNvbG9yIjp7IiRpZCI6Ijc4OCIsIkEiOjI1NSwiUiI6MCwiRyI6MTE0LCJCIjoxODh9fSwiSXNWaXNpYmxlIjp0cnVlLCJXaWR0aCI6MTguMCwiSGVpZ2h0IjoyMC4wLCJCb3JkZXJTdHlsZSI6eyIkaWQiOiI3ODkiLCJMaW5lQ29sb3IiOnsiJGlkIjoiNzkwIiwiJHR5cGUiOiJOTFJFLkNvbW1vbi5Eb20uU29saWRDb2xvckJydXNoLCBOTFJFLkNvbW1vbiIsIkNvbG9yIjp7IiRpZCI6Ijc5MSIsIkEiOjI1NSwiUiI6MjU1LCJHIjowLCJCIjowfX0sIkxpbmVXZWlnaHQiOjAuMCwiTGluZVR5cGUiOjAsIlBhcmVudFN0eWxlIjpudWxsfSwiUGFyZW50U3R5bGUiOm51bGx9LCJUaXRsZVN0eWxlIjp7IiRpZCI6Ijc5MiIsIkZvbnRTZXR0aW5ncyI6eyIkaWQiOiI3OTMiLCJGb250U2l6ZSI6MTEsIkZvbnROYW1lIjoiQ2FsaWJyaSIsIklzQm9sZCI6dHJ1ZSwiSXNJdGFsaWMiOmZhbHNlLCJJc1VuZGVybGluZWQiOmZhbHNlLCJQYXJlbnRTdHlsZSI6bnVsbH0sIkF1dG9TaXplIjowLCJGb3JlZ3JvdW5kIjp7IiRpZCI6Ijc5NCIsIkNvbG9yIjp7IiRpZCI6Ijc5NSIsIkEiOjI1NSwiUiI6MCwiRyI6MCwiQiI6MH19LCJNYXhXaWR0aCI6MjAwLjAsIk1heEhlaWdodCI6IkluZmluaXR5IiwiU21hcnRGb3JlZ3JvdW5kSXNBY3RpdmUiOmZhbHNlLCJIb3Jpem9udGFsQWxpZ25tZW50IjoxLCJWZXJ0aWNhbEFsaWdubWVudCI6MCwiU21hcnRGb3JlZ3JvdW5kIjpudWxsLCJCYWNrZ3JvdW5kRmlsbFR5cGUiOjAsIk1hcmdpbiI6eyIkaWQiOiI3OTYiLCJUb3AiOjAuMCwiTGVmdCI6MC4wLCJSaWdodCI6MC4wLCJCb3R0b20iOjAuMH0sIlBhZGRpbmciOnsiJGlkIjoiNzk3IiwiVG9wIjowLjAsIkxlZnQiOjAuMCwiUmlnaHQiOjAuMCwiQm90dG9tIjowLjB9LCJCYWNrZ3JvdW5kIjp7IiRpZCI6Ijc5OCIsIkNvbG9yIjp7IiRyZWYiOiI3MCJ9fSwiSXNWaXNpYmxlIjp0cnVlLCJXaWR0aCI6MC4wLCJIZWlnaHQiOjAuMCwiQm9yZGVyU3R5bGUiOm51bGwsIlBhcmVudFN0eWxlIjpudWxsfSwiRGF0ZVN0eWxlIjp7IiRpZCI6Ijc5OSIsIkZvbnRTZXR0aW5ncyI6eyIkaWQiOiI4MDAiLCJGb250U2l6ZSI6MTAsIkZvbnROYW1lIjoiQ2FsaWJyaSIsIklzQm9sZCI6ZmFsc2UsIklzSXRhbGljIjpmYWxzZSwiSXNVbmRlcmxpbmVkIjpmYWxzZSwiUGFyZW50U3R5bGUiOm51bGx9LCJBdXRvU2l6ZSI6MCwiRm9yZWdyb3VuZCI6eyIkaWQiOiI4MDEiLCJDb2xvciI6eyIkaWQiOiI4MDIiLCJBIjoyNTUsIlIiOjY4LCJHIjo4NCwiQiI6MTA2fX0sIk1heFdpZHRoIjoyMDAuMCwiTWF4SGVpZ2h0IjoiSW5maW5pdHkiLCJTbWFydEZvcmVncm91bmRJc0FjdGl2ZSI6ZmFsc2UsIkhvcml6b250YWxBbGlnbm1lbnQiOjAsIlZlcnRpY2FsQWxpZ25tZW50IjowLCJTbWFydEZvcmVncm91bmQiOm51bGwsIkJhY2tncm91bmRGaWxsVHlwZSI6MCwiTWFyZ2luIjp7IiRpZCI6IjgwMyIsIlRvcCI6MC4wLCJMZWZ0IjowLjAsIlJpZ2h0IjowLjAsIkJvdHRvbSI6MC4wfSwiUGFkZGluZyI6eyIkaWQiOiI4MDQiLCJUb3AiOjAuMCwiTGVmdCI6MC4wLCJSaWdodCI6MC4wLCJCb3R0b20iOjAuMH0sIkJhY2tncm91bmQiOnsiJGlkIjoiODA1IiwiQ29sb3IiOnsiJHJlZiI6IjcwIn19LCJJc1Zpc2libGUiOnRydWUsIldpZHRoIjowLjAsIkhlaWdodCI6MC4wLCJCb3JkZXJTdHlsZSI6bnVsbCwiUGFyZW50U3R5bGUiOm51bGx9LCJEYXRlRm9ybWF0Ijp7IiRpZCI6IjgwNiIsIkZvcm1hdFN0cmluZyI6Ik1NTSBkIiwiU2VwYXJhdG9yIjoiLyIsIlVzZUludGVybmF0aW9uYWxEYXRlRm9ybWF0IjpmYWxzZSwiRGF0ZUlzVmlzaWJsZSI6dHJ1ZSwiVGltZUlzVmlzaWJsZSI6ZmFsc2UsIkhvdXJEaWdpdHMiOjEsIkFtUG1EZXNpZ25hdG9yIjoyLCJUcmltMDBNaW51dGVzIjpmYWxzZSwiTGFzdEtub3duVmlzaWJpbGl0eVN0YXRlIjpudWxsfSwiV2Vla051bWJlcmluZyI6eyIkaWQiOiI4MDciLCJGb3JtYXQiOjAsIklzVmlzaWJsZSI6ZmFsc2UsIkxhc3RLbm93blZpc2liaWxpdHlTdGF0ZSI6ZmFsc2V9LCJJc1Zpc2libGUiOnRydWUsIlBhcmVudFN0eWxlIjpudWxsfSwiRGVmYXVsdFRhc2tTdHlsZSI6eyIkaWQiOiI4MDgiLCJTaGFwZSI6MiwiU2hhcGVUaGlja25lc3MiOjEsIkR1cmF0aW9uRm9ybWF0IjowLCJJbmNsdWRlTm9uV29ya2luZ0RheXNJbkR1cmF0aW9uIjpmYWxzZSwiUGVyY2VudGFnZUNvbXBsZXRlU3R5bGUiOnsiJGlkIjoiODA5IiwiRm9udFNldHRpbmdzIjp7IiRpZCI6IjgxMCIsIkZvbnRTaXplIjoxMCwiRm9udE5hbWUiOiJDYWxpYnJpIiwiSXNCb2xkIjpmYWxzZSwiSXNJdGFsaWMiOmZhbHNlLCJJc1VuZGVybGluZWQiOmZhbHNlLCJQYXJlbnRTdHlsZSI6bnVsbH0sIkF1dG9TaXplIjowLCJGb3JlZ3JvdW5kIjp7IiRyZWYiOiIxMCJ9LCJNYXhXaWR0aCI6MjAwLjAsIk1heEhlaWdodCI6IkluZmluaXR5IiwiU21hcnRGb3JlZ3JvdW5kSXNBY3RpdmUiOmZhbHNlLCJIb3Jpem9udGFsQWxpZ25tZW50IjowLCJWZXJ0aWNhbEFsaWdubWVudCI6MCwiU21hcnRGb3JlZ3JvdW5kIjpudWxsLCJCYWNrZ3JvdW5kRmlsbFR5cGUiOjAsIk1hcmdpbiI6eyIkcmVmIjoiNjcifSwiUGFkZGluZyI6eyIkcmVmIjoiNjgifSwiQmFja2dyb3VuZCI6eyIkcmVmIjoiNjkifSwiSXNWaXNpYmxlIjp0cnVlLCJXaWR0aCI6MC4wLCJIZWlnaHQiOjAuMCwiQm9yZGVyU3R5bGUiOm51bGwsIlBhcmVudFN0eWxlIjpudWxsfSwiRHVyYXRpb25TdHlsZSI6eyIkaWQiOiI4MTEiLCJGb250U2V0dGluZ3MiOnsiJGlkIjoiODEyIiwiRm9udFNpemUiOjEwLCJGb250TmFtZSI6IkNhbGlicmkiLCJJc0JvbGQiOmZhbHNlLCJJc0l0YWxpYyI6ZmFsc2UsIklzVW5kZXJsaW5lZCI6ZmFsc2UsIlBhcmVudFN0eWxlIjpudWxsfSwiQXV0b1NpemUiOjAsIkZvcmVncm91bmQiOnsiJHJlZiI6Ijc0In0sIk1heFdpZHRoIjoyMDAuMCwiTWF4SGVpZ2h0IjoiSW5maW5pdHkiLCJTbWFydEZvcmVncm91bmRJc0FjdGl2ZSI6ZmFsc2UsIkhvcml6b250YWxBbGlnbm1lbnQiOjAsIlZlcnRpY2FsQWxpZ25tZW50IjowLCJTbWFydEZvcmVncm91bmQiOm51bGwsIkJhY2tncm91bmRGaWxsVHlwZSI6MCwiTWFyZ2luIjp7IiRyZWYiOiI3NiJ9LCJQYWRkaW5nIjp7IiRyZWYiOiI3NyJ9LCJCYWNrZ3JvdW5kIjp7IiRyZWYiOiI3OCJ9LCJJc1Zpc2libGUiOnRydWUsIldpZHRoIjowLjAsIkhlaWdodCI6MC4wLCJCb3JkZXJTdHlsZSI6bnVsbCwiUGFyZW50U3R5bGUiOm51bGx9LCJIb3Jpem9udGFsQ29ubmVjdG9yU3R5bGUiOnsiJGlkIjoiODEzIiwiTGluZUNvbG9yIjp7IiRyZWYiOiI4MSJ9LCJMaW5lV2VpZ2h0IjoxLjAsIkxpbmVUeXBlIjowLCJQYXJlbnRTdHlsZSI6bnVsbH0sIlZlcnRpY2FsQ29ubmVjdG9yU3R5bGUiOnsiJGlkIjoiODE0IiwiTGluZUNvbG9yIjp7IiRyZWYiOiI4NCJ9LCJMaW5lV2VpZ2h0IjowLjAsIkxpbmVUeXBlIjowLCJQYXJlbnRTdHlsZSI6bnVsbH0sIk1hcmdpbiI6bnVsbCwiU3RhcnREYXRlUG9zaXRpb24iOjMsIkVuZERhdGVQb3NpdGlvbiI6NCwiRGF0ZUlzVmlzaWJsZSI6dHJ1ZSwiVGl0bGVQb3NpdGlvbiI6MiwiRHVyYXRpb25Qb3NpdGlvbiI6NiwiUGVyY2VudGFnZUNvbXBsZXRlZFBvc2l0aW9uIjo2LCJTcGFjaW5nIjo1LCJJc0JlbG93VGltZWJhbmQiOnRydWUsIlBlcmNlbnRhZ2VDb21wbGV0ZVNoYXBlT3BhY2l0eSI6MzUsIlNoYXBlU3R5bGUiOnsiJGlkIjoiODE1IiwiTWFyZ2luIjp7IiRyZWYiOiI4NyJ9LCJQYWRkaW5nIjp7IiRyZWYiOiI4OCJ9LCJCYWNrZ3JvdW5kIjp7IiRpZCI6IjgxNiIsIkNvbG9yIjp7IiRpZCI6IjgxNyIsIkEiOjI1NSwiUiI6MCwiRyI6MTE0LCJCIjoxODh9fSwiSXNWaXNpYmxlIjp0cnVlLCJXaWR0aCI6MC4wLCJIZWlnaHQiOjE2LjAsIkJvcmRlclN0eWxlIjp7IiRpZCI6IjgxOCIsIkxpbmVDb2xvciI6eyIkaWQiOiI4MTkiLCIkdHlwZSI6Ik5MUkUuQ29tbW9uLkRvbS5Tb2xpZENvbG9yQnJ1c2gsIE5MUkUuQ29tbW9uIiwiQ29sb3IiOnsiJGlkIjoiODIwIiwiQSI6MjU1LCJSIjoyNTUsIkciOjAsIkIiOjB9fSwiTGluZVdlaWdodCI6MC4wLCJMaW5lVHlwZSI6MCwiUGFyZW50U3R5bGUiOm51bGx9LCJQYXJlbnRTdHlsZSI6bnVsbH0sIlRpdGxlU3R5bGUiOnsiJGlkIjoiODIxIiwiRm9udFNldHRpbmdzIjp7IiRpZCI6IjgyMiIsIkZvbnRTaXplIjoxMSwiRm9udE5hbWUiOiJDYWxpYnJpIiwiSXNCb2xkIjp0cnVlLCJJc0l0YWxpYyI6ZmFsc2UsIklzVW5kZXJsaW5lZCI6ZmFsc2UsIlBhcmVudFN0eWxlIjpudWxsfSwiQXV0b1NpemUiOjAsIkZvcmVncm91bmQiOnsiJGlkIjoiODIzIiwiQ29sb3IiOnsiJGlkIjoiODI0IiwiQSI6MjU1LCJSIjowLCJHIjowLCJCIjowfX0sIk1heFdpZHRoIjo5NjAuMCwiTWF4SGVpZ2h0IjoiSW5maW5pdHkiLCJTbWFydEZvcmVncm91bmRJc0FjdGl2ZSI6ZmFsc2UsIkhvcml6b250YWxBbGlnbm1lbnQiOjEsIlZlcnRpY2FsQWxpZ25tZW50IjowLCJTbWFydEZvcmVncm91bmQiOm51bGwsIkJhY2tncm91bmRGaWxsVHlwZSI6MCwiTWFyZ2luIjp7IiRyZWYiOiI5OCJ9LCJQYWRkaW5nIjp7IiRyZWYiOiI5OSJ9LCJCYWNrZ3JvdW5kIjp7IiRpZCI6IjgyNSIsIkNvbG9yIjp7IiRyZWYiOiI3MCJ9fSwiSXNWaXNpYmxlIjp0cnVlLCJXaWR0aCI6MC4wLCJIZWlnaHQiOjAuMCwiQm9yZGVyU3R5bGUiOm51bGwsIlBhcmVudFN0eWxlIjpudWxsfSwiRGF0ZVN0eWxlIjp7IiRpZCI6IjgyNiIsIkZvbnRTZXR0aW5ncyI6eyIkaWQiOiI4MjciLCJGb250U2l6ZSI6MTAsIkZvbnROYW1lIjoiQ2FsaWJyaSIsIklzQm9sZCI6ZmFsc2UsIklzSXRhbGljIjpmYWxzZSwiSXNVbmRlcmxpbmVkIjpmYWxzZSwiUGFyZW50U3R5bGUiOm51bGx9LCJBdXRvU2l6ZSI6MCwiRm9yZWdyb3VuZCI6eyIkaWQiOiI4MjgiLCJDb2xvciI6eyIkaWQiOiI4MjkiLCJBIjoyNTUsIlIiOjY4LCJHIjo4NCwiQiI6MTA2fX0sIk1heFdpZHRoIjoyMDAuMCwiTWF4SGVpZ2h0IjoiSW5maW5pdHkiLCJTbWFydEZvcmVncm91bmRJc0FjdGl2ZSI6ZmFsc2UsIkhvcml6b250YWxBbGlnbm1lbnQiOjEsIlZlcnRpY2FsQWxpZ25tZW50IjowLCJTbWFydEZvcmVncm91bmQiOm51bGwsIkJhY2tncm91bmRGaWxsVHlwZSI6MCwiTWFyZ2luIjp7IiRyZWYiOiIxMDcifSwiUGFkZGluZyI6eyIkcmVmIjoiMTA4In0sIkJhY2tncm91bmQiOnsiJGlkIjoiODMwIiwiQ29sb3IiOnsiJHJlZiI6IjcwIn19LCJJc1Zpc2libGUiOnRydWUsIldpZHRoIjowLjAsIkhlaWdodCI6MC4wLCJCb3JkZXJTdHlsZSI6bnVsbCwiUGFyZW50U3R5bGUiOm51bGx9LCJEYXRlRm9ybWF0Ijp7IiRpZCI6IjgzMSIsIkZvcm1hdFN0cmluZyI6Ik1NTSBkIiwiU2VwYXJhdG9yIjoiLyIsIlVzZUludGVybmF0aW9uYWxEYXRlRm9ybWF0IjpmYWxzZSwiRGF0ZUlzVmlzaWJsZSI6dHJ1ZSwiVGltZUlzVmlzaWJsZSI6ZmFsc2UsIkhvdXJEaWdpdHMiOjEsIkFtUG1EZXNpZ25hdG9yIjoyLCJUcmltMDBNaW51dGVzIjpmYWxzZSwiTGFzdEtub3duVmlzaWJpbGl0eVN0YXRlIjpudWxsfSwiV2Vla051bWJlcmluZyI6eyIkaWQiOiI4MzIiLCJGb3JtYXQiOjAsIklzVmlzaWJsZSI6ZmFsc2UsIkxhc3RLbm93blZpc2liaWxpdHlTdGF0ZSI6ZmFsc2V9LCJJc1Zpc2libGUiOnRydWUsIlBhcmVudFN0eWxlIjpudWxsLCJfZXhwbGljaXRseVNldCI6eyIkaWQiOiI4MzMiLCJTaGFwZVN0eWxlIjpmYWxzZSwiVGl0bGVTdHlsZSI6ZmFsc2UsIkRhdGVTdHlsZSI6ZmFsc2UsIkhvcml6b250YWxDb25uZWN0b3JTdHlsZSI6ZmFsc2UsIlZlcnRpY2FsQ29ubmVjdG9yU3R5bGUiOmZhbHNlLCJQZXJjZW50YWdlQ29tcGxldGVTaGFwZU9wYWNpdHkiOmZhbHNlLCJTaGFwZSI6ZmFsc2UsIlNoYXBlVGhpY2tuZXNzIjpmYWxzZSwiRHVyYXRpb25Gb3JtYXQiOmZhbHNlLCJJbmNsdWRlTm9uV29ya2luZ0RheXNJbkR1cmF0aW9uIjpmYWxzZSwiTWFyZ2luIjpmYWxzZSwiU3RhcnREYXRlUG9zaXRpb24iOmZhbHNlLCJFbmREYXRlUG9zaXRpb24iOmZhbHNlLCJUaXRsZVBvc2l0aW9uIjpmYWxzZSwiRHVyYXRpb25Qb3NpdGlvbiI6ZmFsc2UsIlBlcmNlbnRhZ2VDb21wbGV0ZWRQb3NpdGlvbiI6ZmFsc2UsIlNwYWNpbmciOmZhbHNlLCJJc0JlbG93VGltZWJhbmQiOmZhbHNlLCJEYXRlRm9ybWF0IjpmYWxzZSwiV2Vla051bWJlcmluZyI6ZmFsc2UsIklzVmlzaWJsZSI6ZmFsc2V9fSwiR3JpZGxpbmVQYW5lbFN0eWxlIjp7IiRpZCI6IjgzNCIsIkdyaWRsaW5lU3R5bGUiOnsiJGlkIjoiODM1IiwiTGluZUNvbG9yIjp7IiRpZCI6IjgzNiIsIiR0eXBlIjoiTkxSRS5Db21tb24uRG9tLlNvbGlkQ29sb3JCcnVzaCwgTkxSRS5Db21tb24iLCJDb2xvciI6eyIkaWQiOiI4MzciLCJBIjozOCwiUiI6OTEsIkciOjE1NSwiQiI6MjEzfX0sIkxpbmVXZWlnaHQiOjEuMCwiTGluZVR5cGUiOjAsIlBhcmVudFN0eWxlIjpudWxsfSwiTWFyZ2luIjp7IiRpZCI6IjgzOCIsIlRvcCI6MC4wLCJMZWZ0IjowLjAsIlJpZ2h0IjowLjAsIkJvdHRvbSI6MC4wfSwiUGFkZGluZyI6eyIkaWQiOiI4MzkiLCJUb3AiOjAuMCwiTGVmdCI6MC4wLCJSaWdodCI6MC4wLCJCb3R0b20iOjAuMH0sIkJhY2tncm91bmQiOm51bGwsIklzVmlzaWJsZSI6dHJ1ZSwiV2lkdGgiOjAuMCwiSGVpZ2h0IjowLjAsIkJvcmRlclN0eWxlIjp7IiRpZCI6Ijg0MCIsIkxpbmVDb2xvciI6bnVsbCwiTGluZVdlaWdodCI6MC4wLCJMaW5lVHlwZSI6MCwiUGFyZW50U3R5bGUiOm51bGx9LCJQYXJlbnRTdHlsZSI6bnVsbH0sIkFjdGl2aXR5TGluZVBhbmVsU3R5bGUiOnsiJGlkIjoiODQxIiwiQWN0aXZpdHlMaW5lU3R5bGUiOnsiJGlkIjoiODQyIiwiTGluZUNvbG9yIjp7IiRpZCI6Ijg0MyIsIiR0eXBlIjoiTkxSRS5Db21tb24uRG9tLlNvbGlkQ29sb3JCcnVzaCwgTkxSRS5Db21tb24iLCJDb2xvciI6eyIkaWQiOiI4NDQiLCJBIjozOCwiUiI6NjgsIkciOjExNCwiQiI6MTk2fX0sIkxpbmVXZWlnaHQiOjEuMCwiTGluZVR5cGUiOjAsIlBhcmVudFN0eWxlIjpudWxsfSwiTWFyZ2luIjp7IiRpZCI6Ijg0NSIsIlRvcCI6MC4wLCJMZWZ0IjowLjAsIlJpZ2h0IjowLjAsIkJvdHRvbSI6MC4wfSwiUGFkZGluZyI6eyIkaWQiOiI4NDYiLCJUb3AiOjAuMCwiTGVmdCI6MC4wLCJSaWdodCI6MC4wLCJCb3R0b20iOjAuMH0sIkJhY2tncm91bmQiOm51bGwsIklzVmlzaWJsZSI6dHJ1ZSwiV2lkdGgiOjAuMCwiSGVpZ2h0IjowLjAsIkJvcmRlclN0eWxlIjp7IiRpZCI6Ijg0NyIsIkxpbmVDb2xvciI6bnVsbCwiTGluZVdlaWdodCI6MC4wLCJMaW5lVHlwZSI6MCwiUGFyZW50U3R5bGUiOm51bGx9LCJQYXJlbnRTdHlsZSI6bnVsbH0sIlNob3dFbGFwc2VkVGltZUdyYWRpZW50U3R5bGUiOmZhbHNlLCJUaW1lYmFuZFJlc2VydmVkTGVmdEFyZWFTdHlsZSI6eyIkaWQiOiI4NDgiLCJBY3Rpdml0eUhlYWRlcldpZHRoIjo3Ni4wLCJJc1NldCI6ZmFsc2V9LCJEZWZhdWx0U3dpbWxhbmVTdHlsZSI6bnVsbH0sIlNjYWxlIjpudWxsLCJTY2FsZVYyIjp7IiRpZCI6Ijg0OSIsIlN0YXJ0RGF0ZSI6IjAwMDEtMDEtMDFUMDA6MDA6MDAiLCJFbmREYXRlIjoiMjAyMi0wNi0zMFQyMzo1OTowMCIsIkF1dG9EYXRlUmFuZ2UiOnRydWUsIldvcmtpbmdEYXlzIjozMSwiRmlzY2FsWWVhciI6eyIkaWQiOiI4NTAiLCJTdGFydE1vbnRoIjoxLCJVc2VTdGFydGluZ1llYXJGb3JOdW1iZXJpbmciOnRydWUsIlNob3dGaXNjYWxZZWFyTGFiZWwiOnRydWV9LCJUb2RheU1hcmtlclRleHQiOiJUb2RheSIsIkF1dG9TY2FsZVR5cGUiOnRydWUsIlRpbWViYW5kU2NhbGVzIjp7IiRpZCI6Ijg1MSIsIlRvcFNjYWxlTGF5ZXIiOnsiJGlkIjoiODUyIiwiRm9ybWF0IjoiTU1NIiwiVHlwZSI6Mn0sIk1pZGRsZVNjYWxlTGF5ZXIiOnsiJGlkIjoiODUzIiwiRm9ybWF0IjpudWxsLCJUeXBlIjowfSwiQm90dG9tU2NhbGVMYXllciI6eyIkaWQiOiI4NTQiLCJGb3JtYXQiOm51bGwsIlR5cGUiOjB9fX0sIk1pbGVzdG9uZXMiOltdLCJUYXNrcyI6W10sIlN3aW1sYW5lcyI6W10sIk1zUHJvamVjdEl0ZW1zVHJlZSI6eyIkaWQiOiI4NTUiLCJSb290Ijp7IkltcG9ydElkIjpudWxsLCJJc0ltcG9ydGVkIjpmYWxzZSwiQ2hpbGRyZW4iOltdfX0sIk1ldGFkYXRhIjp7IiRpZCI6Ijg1NiIsIlNvdXJjZVRlbXBsYXRlIjoie1wiJGlkXCI6XCIxXCIsXCJJZFwiOlwiYzExZjZmNDktN2RiOC00NWZkLWJhMzItYmZjYWVhNDkyZjM5XCIsXCJDdWx0dXJlSW5mb05hbWVcIjpcImVuLVVTXCIsXCJWZXJzaW9uXCI6e1wiJGlkXCI6XCIyXCIsXCJUZW1wbGF0ZURvbVZlcnNpb25cIjpcIjEuMi4wXCJ9LFwiRWZmZWN0XCI6MSxcIlN0eWxlXCI6e1wiJGlkXCI6XCIzXCIsXCJUaW1lYmFuZFN0eWxlXCI6e1wiJGlkXCI6XCI0XCIsXCJTY2FsZU1hcmtpbmdcIjowLFwiU2hhcGVcIjoxMyxcIlNoYXBlU3R5bGVcIjp7XCIkaWRcIjpcIjVcIixcIk1hcmdpblwiOntcIiRpZFwiOlwiNlwiLFwiVG9wXCI6MC4wLFwiTGVmdFwiOjEwLjAsXCJSaWdodFwiOjEwLjAsXCJCb3R0b21cIjowLjB9LFwiUGFkZGluZ1wiOntcIiRpZFwiOlwiN1wiLFwiVG9wXCI6NS4wLFwiTGVmdFwiOjEzLjAsXCJSaWdodFwiOjEzLjAsXCJCb3R0b21cIjo1LjB9LFwiQmFja2dyb3VuZFwiOntcIiRpZFwiOlwiOFwiLFwiQ29sb3JcIjp7XCIkaWRcIjpcIjlcIixcIkFcIjoyNTUsXCJSXCI6NjgsXCJHXCI6ODQsXCJCXCI6MTA2fX0sXCJJc1Zpc2libGVcIjp0cnVlLFwiV2lkdGhcIjo4NTguMCxcIkhlaWdodFwiOjMwLjAsXCJCb3JkZXJTdHlsZVwiOntcIiRpZFwiOlwiMTBcIixcIkxpbmVDb2xvclwiOntcIiRpZFwiOlwiMTFcIixcIiR0eXBlXCI6XCJOTFJFLkNvbW1vbi5Eb20uU29saWRDb2xvckJydXNoLCBOTFJFLkNvbW1vblwiLFwiQ29sb3JcIjp7XCIkaWRcIjpcIjEyXCIsXCJBXCI6MjU1LFwiUlwiOjI1NSxcIkdcIjowLFwiQlwiOjB9fSxcIkxpbmVXZWlnaHRcIjowLjAsXCJMaW5lVHlwZVwiOjB9fSxcIk1pZGRsZVRpZXJTaGFwZVN0eWxlXCI6e1wiJGlkXCI6XCIxM1wiLFwiTWFyZ2luXCI6e1wiJGlkXCI6XCIxNFwiLFwiVG9wXCI6MC4wLFwiTGVmdFwiOjEwLjAsXCJSaWdodFwiOjEwLjAsXCJCb3R0b21cIjowLjB9LFwiUGFkZGluZ1wiOntcIiRpZFwiOlwiMTVcIixcIlRvcFwiOjUuMCxcIkxlZnRcIjoxMy4wLFwiUmlnaHRcIjoxMy4wLFwiQm90dG9tXCI6NS4wfSxcIkJhY2tncm91bmRcIjp7XCIkaWRcIjpcIjE2XCIsXCJDb2xvclwiOntcIiRpZFwiOlwiMTdcIixcIkFcIjoyNTUsXCJSXCI6NjgsXCJHXCI6ODQsXCJCXCI6MTA2fX0sXCJJc1Zpc2libGVcIjp0cnVlLFwiV2lkdGhcIjo4NTguMCxcIkhlaWdodFwiOjMwLjAsXCJCb3JkZXJTdHlsZVwiOntcIiRpZFwiOlwiMThcIixcIkxpbmVDb2xvclwiOntcIiRpZFwiOlwiMTlcIixcIiR0eXBlXCI6XCJOTFJFLkNvbW1vbi5Eb20uU29saWRDb2xvckJydXNoLCBOTFJFLkNvbW1vblwiLFwiQ29sb3JcIjp7XCIkaWRcIjpcIjIwXCIsXCJBXCI6MjU1LFwiUlwiOjI1NSxcIkdcIjowLFwiQlwiOjB9fSxcIkxpbmVXZWlnaHRcIjowLjAsXCJMaW5lVHlwZVwiOjB9fSxcIkJvdHRvbVRpZXJTaGFwZVN0eWxlXCI6e1wiJGlkXCI6XCIyMVwiLFwiTWFyZ2luXCI6e1wiJGlkXCI6XCIyMlwiLFwiVG9wXCI6MC4wLFwiTGVmdFwiOjEwLjAsXCJSaWdodFwiOjEwLjAsXCJCb3R0b21cIjowLjB9LFwiUGFkZGluZ1wiOntcIiRpZFwiOlwiMjNcIixcIlRvcFwiOjUuMCxcIkxlZnRcIjoxMy4wLFwiUmlnaHRcIjoxMy4wLFwiQm90dG9tXCI6NS4wfSxcIkJhY2tncm91bmRcIjp7XCIkaWRcIjpcIjI0XCIsXCJDb2xvclwiOntcIiRpZFwiOlwiMjVcIixcIkFcIjoyNTUsXCJSXCI6NjgsXCJHXCI6ODQsXCJCXCI6MTA2fX0sXCJJc1Zpc2libGVcIjp0cnVlLFwiV2lkdGhcIjo4NTguMCxcIkhlaWdodFwiOjMwLjAsXCJCb3JkZXJTdHlsZVwiOntcIiRpZFwiOlwiMjZcIixcIkxpbmVDb2xvclwiOntcIiRpZFwiOlwiMjdcIixcIiR0eXBlXCI6XCJOTFJFLkNvbW1vbi5Eb20uU29saWRDb2xvckJydXNoLCBOTFJFLkNvbW1vblwiLFwiQ29sb3JcIjp7XCIkaWRcIjpcIjI4XCIsXCJBXCI6MjU1LFwiUlwiOjI1NSxcIkdcIjowLFwiQlwiOjB9fSxcIkxpbmVXZWlnaHRcIjowLjAsXCJMaW5lVHlwZVwiOjB9fSxcIlJpZ2h0RW5kQ2Fwc1N0eWxlXCI6e1wiJGlkXCI6XCIyOVwiLFwiRm9udFNldHRpbmdzXCI6e1wiJGlkXCI6XCIzMFwiLFwiRm9udFNpemVcIjoxOCxcIkZvbnROYW1lXCI6XCJDYWxpYnJpXCIsXCJJc0JvbGRcIjp0cnVlLFwiSXNJdGFsaWNcIjpmYWxzZSxcIklzVW5kZXJsaW5lZFwiOmZhbHNlfSxcIkF1dG9TaXplXCI6MCxcIkZvcmVncm91bmRcIjp7XCIkaWRcIjpcIjMxXCIsXCJDb2xvclwiOntcIiRpZFwiOlwiMzJcIixcIkFcIjoyNTUsXCJSXCI6MjM3LFwiR1wiOjEyNSxcIkJcIjo0OX19LFwiQmFja2dyb3VuZEZpbGxUeXBlXCI6MCxcIk1heFdpZHRoXCI6XCJJbmZpbml0eVwiLFwiTWF4SGVpZ2h0XCI6XCJJbmZpbml0eVwiLFwiU21hcnRGb3JlZ3JvdW5kSXNBY3RpdmVcIjpmYWxzZSxcIkhvcml6b250YWxBbGlnbm1lbnRcIjowLFwiVmVydGljYWxBbGlnbm1lbnRcIjowLFwiU21hcnRGb3JlZ3JvdW5kXCI6bnVsbCxcIk1hcmdpblwiOntcIiRpZFwiOlwiMzNcIixcIlRvcFwiOjAuMCxcIkxlZnRcIjowLjAsXCJSaWdodFwiOjIwLjAsXCJCb3R0b21cIjowLjB9LFwiUGFkZGluZ1wiOntcIiRpZFwiOlwiMzRcIixcIlRvcFwiOjAuMCxcIkxlZnRcIjowLjAsXCJSaWdodFwiOjAuMCxcIkJvdHRvbVwiOjAuMH0sXCJCYWNrZ3JvdW5kXCI6e1wiJGlkXCI6XCIzNVwiLFwiQ29sb3JcIjp7XCIkaWRcIjpcIjM2XCIsXCJBXCI6MCxcIlJcIjowLFwiR1wiOjAsXCJCXCI6MH19LFwiSXNWaXNpYmxlXCI6dHJ1ZSxcIldpZHRoXCI6MC4wLFwiSGVpZ2h0XCI6MC4wLFwiQm9yZGVyU3R5bGVcIjpudWxsfSxcIkxlZnRFbmRDYXBzU3R5bGVcIjp7XCIkaWRcIjpcIjM3XCIsXCJGb250U2V0dGluZ3NcIjp7XCIkaWRcIjpcIjM4XCIsXCJGb250U2l6ZVwiOjE4LFwiRm9udE5hbWVcIjpcIkNhbGlicmlcIixcIklzQm9sZFwiOnRydWUsXCJJc0l0YWxpY1wiOmZhbHNlLFwiSXNVbmRlcmxpbmVkXCI6ZmFsc2V9LFwiQXV0b1NpemVcIjowLFwiRm9yZWdyb3VuZFwiOntcIiRpZFwiOlwiMzlcIixcIkNvbG9yXCI6e1wiJGlkXCI6XCI0MFwiLFwiQVwiOjI1NSxcIlJcIjoyMzcsXCJHXCI6MTI1LFwiQlwiOjQ5fX0sXCJCYWNrZ3JvdW5kRmlsbFR5cGVcIjowLFwiTWF4V2lkdGhcIjpcIkluZmluaXR5XCIsXCJNYXhIZWlnaHRcIjpcIkluZmluaXR5XCIsXCJTbWFydEZvcmVncm91bmRJc0FjdGl2ZVwiOmZhbHNlLFwiSG9yaXpvbnRhbEFsaWdubWVudFwiOjAsXCJWZXJ0aWNhbEFsaWdubWVudFwiOjAsXCJTbWFydEZvcmVncm91bmRcIjpudWxsLFwiTWFyZ2luXCI6e1wiJGlkXCI6XCI0MVwiLFwiVG9wXCI6MC4wLFwiTGVmdFwiOjIwLjAsXCJSaWdodFwiOjAuMCxcIkJvdHRvbVwiOjAuMH0sXCJQYWRkaW5nXCI6e1wiJGlkXCI6XCI0MlwiLFwiVG9wXCI6MC4wLFwiTGVmdFwiOjAuMCxcIlJpZ2h0XCI6MC4wLFwiQm90dG9tXCI6MC4wfSxcIkJhY2tncm91bmRcIjp7XCIkaWRcIjpcIjQzXCIsXCJDb2xvclwiOntcIiRyZWZcIjpcIjM2XCJ9fSxcIklzVmlzaWJsZVwiOmZhbHNlLFwiV2lkdGhcIjowLjAsXCJIZWlnaHRcIjowLjAsXCJCb3JkZXJTdHlsZVwiOm51bGx9LFwiVG9kYXlUZXh0U3R5bGVcIjp7XCIkaWRcIjpcIjQ0XCIsXCJGb250U2V0dGluZ3NcIjp7XCIkaWRcIjpcIjQ1XCIsXCJGb250U2l6ZVwiOjEyLFwiRm9udE5hbWVcIjpcIkNhbGlicmlcIixcIklzQm9sZFwiOmZhbHNlLFwiSXNJdGFsaWNcIjpmYWxzZSxcIklzVW5kZXJsaW5lZFwiOmZhbHNlfSxcIkF1dG9TaXplXCI6MCxcIkZvcmVncm91bmRcIjp7XCIkaWRcIjpcIjQ2XCIsXCJDb2xvclwiOntcIiRpZFwiOlwiNDdcIixcIkFcIjoyNTUsXCJSXCI6MCxcIkdcIjowLFwiQlwiOjB9fSxcIkJhY2tncm91bmRGaWxsVHlwZVwiOjAsXCJNYXhXaWR0aFwiOjIwMC4wLFwiTWF4SGVpZ2h0XCI6XCJJbmZpbml0eVwiLFwiU21hcnRGb3JlZ3JvdW5kSXNBY3RpdmVcIjpmYWxzZSxcIkhvcml6b250YWxBbGlnbm1lbnRcIjowLFwiVmVydGljYWxBbGlnbm1lbnRcIjowLFwiU21hcnRGb3JlZ3JvdW5kXCI6bnVsbCxcIk1hcmdpblwiOntcIiRpZFwiOlwiNDhcIixcIlRvcFwiOjAuMCxcIkxlZnRcIjowLjAsXCJSaWdodFwiOjAuMCxcIkJvdHRvbVwiOjAuMH0sXCJQYWRkaW5nXCI6e1wiJGlkXCI6XCI0OVwiLFwiVG9wXCI6MC4wLFwiTGVmdFwiOjAuMCxcIlJpZ2h0XCI6MC4wLFwiQm90dG9tXCI6MC4wfSxcIkJhY2tncm91bmRcIjp7XCIkaWRcIjpcIjUwXCIsXCJDb2xvclwiOntcIiRyZWZcIjpcIjM2XCJ9fSxcIklzVmlzaWJsZVwiOnRydWUsXCJXaWR0aFwiOjAuMCxcIkhlaWdodFwiOjAuMCxcIkJvcmRlclN0eWxlXCI6bnVsbH0sXCJUb2RheU1hcmtlclN0eWxlXCI6e1wiJGlkXCI6XCI1MVwiLFwiTWFyZ2luXCI6e1wiJGlkXCI6XCI1MlwiLFwiVG9wXCI6MC4wLFwiTGVmdFwiOjAuMCxcIlJpZ2h0XCI6MC4wLFwiQm90dG9tXCI6MC4wfSxcIlBhZGRpbmdcIjp7XCIkaWRcIjpcIjUzXCIsXCJUb3BcIjowLjAsXCJMZWZ0XCI6MC4wLFwiUmlnaHRcIjowLjAsXCJCb3R0b21cIjowLjB9LFwiQmFja2dyb3VuZFwiOntcIiRpZFwiOlwiNTRcIixcIkNvbG9yXCI6e1wiJGlkXCI6XCI1NVwiLFwiQVwiOjI1NSxcIlJcIjoyNTUsXCJHXCI6MCxcIkJcIjowfX0sXCJJc1Zpc2libGVcIjp0cnVlLFwiV2lkdGhcIjowLjAsXCJIZWlnaHRcIjowLjAsXCJCb3JkZXJTdHlsZVwiOm51bGx9LFwiU2NhbGVTdHlsZVwiOntcIiRpZFwiOlwiNTZcIixcIlNob3dTZWdtZW50U2VwYXJhdG9yc1wiOnRydWUsXCJTZWdtZW50U2VwYXJhdG9yT3BhY2l0eVwiOjMwLFwiU2hhcGVcIjo0LFwiSGFzQmVlblZpc2libGVCZWZvcmVcIjp0cnVlLFwiRm9udFNldHRpbmdzXCI6e1wiJGlkXCI6XCI1N1wiLFwiRm9udFNpemVcIjoxMixcIkZvbnROYW1lXCI6XCJDYWxpYnJpXCIsXCJJc0JvbGRcIjpmYWxzZSxcIklzSXRhbGljXCI6ZmFsc2UsXCJJc1VuZGVybGluZWRcIjpmYWxzZX0sXCJBdXRvU2l6ZVwiOjAsXCJGb3JlZ3JvdW5kXCI6e1wiJGlkXCI6XCI1OFwiLFwiQ29sb3JcIjp7XCIkaWRcIjpcIjU5XCIsXCJBXCI6MjU1LFwiUlwiOjI1NSxcIkdcIjoyNTUsXCJCXCI6MjU1fX0sXCJCYWNrZ3JvdW5kRmlsbFR5cGVcIjowLFwiTWF4V2lkdGhcIjoyMDAuMCxcIk1heEhlaWdodFwiOlwiSW5maW5pdHlcIixcIlNtYXJ0Rm9yZWdyb3VuZElzQWN0aXZlXCI6ZmFsc2UsXCJIb3Jpem9udGFsQWxpZ25tZW50XCI6MCxcIlZlcnRpY2FsQWxpZ25tZW50XCI6MSxcIlNtYXJ0Rm9yZWdyb3VuZFwiOm51bGwsXCJNYXJnaW5cIjp7XCIkaWRcIjpcIjYwXCIsXCJUb3BcIjowLjAsXCJMZWZ0XCI6NS4wLFwiUmlnaHRcIjowLjAsXCJCb3R0b21cIjowLjB9LFwiUGFkZGluZ1wiOntcIiRpZFwiOlwiNjFcIixcIlRvcFwiOjAuMCxcIkxlZnRcIjowLjAsXCJSaWdodFwiOjAuMCxcIkJvdHRvbVwiOjAuMH0sXCJCYWNrZ3JvdW5kXCI6e1wiJGlkXCI6XCI2MlwiLFwiQ29sb3JcIjp7XCIkcmVmXCI6XCIzNlwifX0sXCJJc1Zpc2libGVcIjp0cnVlLFwiV2lkdGhcIjowLjAsXCJIZWlnaHRcIjowLjAsXCJCb3JkZXJTdHlsZVwiOm51bGx9LFwiTWlkZGxlVGllclNjYWxlU3R5bGVcIjp7XCIkaWRcIjpcIjYzXCIsXCJTaG93U2VnbWVudFNlcGFyYXRvcnNcIjp0cnVlLFwiU2VnbWVudFNlcGFyYXRvck9wYWNpdHlcIjozMCxcIlNoYXBlXCI6NCxcIkhhc0JlZW5WaXNpYmxlQmVmb3JlXCI6ZmFsc2UsXCJGb250U2V0dGluZ3NcIjp7XCIkaWRcIjpcIjY0XCIsXCJGb250U2l6ZVwiOjEyLFwiRm9udE5hbWVcIjpcIkNhbGlicmlcIixcIklzQm9sZFwiOmZhbHNlLFwiSXNJdGFsaWNcIjpmYWxzZSxcIklzVW5kZXJsaW5lZFwiOmZhbHNlfSxcIkF1dG9TaXplXCI6MCxcIkZvcmVncm91bmRcIjp7XCIkaWRcIjpcIjY1XCIsXCJDb2xvclwiOntcIiRpZFwiOlwiNjZcIixcIkFcIjoyNTUsXCJSXCI6MjU1LFwiR1wiOjI1NSxcIkJcIjoyNTV9fSxcIkJhY2tncm91bmRGaWxsVHlwZVwiOjAsXCJNYXhXaWR0aFwiOjIwMC4wLFwiTWF4SGVpZ2h0XCI6XCJJbmZpbml0eVwiLFwiU21hcnRGb3JlZ3JvdW5kSXNBY3RpdmVcIjpmYWxzZSxcIkhvcml6b250YWxBbGlnbm1lbnRcIjowLFwiVmVydGljYWxBbGlnbm1lbnRcIjoxLFwiU21hcnRGb3JlZ3JvdW5kXCI6bnVsbCxcIk1hcmdpblwiOntcIiRpZFwiOlwiNjdcIixcIlRvcFwiOjAuMCxcIkxlZnRcIjo1LjAsXCJSaWdodFwiOjAuMCxcIkJvdHRvbVwiOjAuMH0sXCJQYWRkaW5nXCI6e1wiJGlkXCI6XCI2OFwiLFwiVG9wXCI6MC4wLFwiTGVmdFwiOjAuMCxcIlJpZ2h0XCI6MC4wLFwiQm90dG9tXCI6MC4wfSxcIkJhY2tncm91bmRcIjp7XCIkaWRcIjpcIjY5XCIsXCJDb2xvclwiOntcIiRpZFwiOlwiNzBcIixcIkFcIjowLFwiUlwiOjAsXCJHXCI6MCxcIkJcIjowfX0sXCJJc1Zpc2libGVcIjpmYWxzZSxcIldpZHRoXCI6MC4wLFwiSGVpZ2h0XCI6MC4wLFwiQm9yZGVyU3R5bGVcIjpudWxsfSxcIkJvdHRvbVRpZXJTY2FsZVN0eWxlXCI6e1wiJGlkXCI6XCI3MVwiLFwiU2hvd1NlZ21lbnRTZXBhcmF0b3JzXCI6dHJ1ZSxcIlNlZ21lbnRTZXBhcmF0b3JPcGFjaXR5XCI6MzAsXCJTaGFwZVwiOjQsXCJIYXNCZWVuVmlzaWJsZUJlZm9yZVwiOmZhbHNlLFwiRm9udFNldHRpbmdzXCI6e1wiJGlkXCI6XCI3MlwiLFwiRm9udFNpemVcIjoxMixcIkZvbnROYW1lXCI6XCJDYWxpYnJpXCIsXCJJc0JvbGRcIjpmYWxzZSxcIklzSXRhbGljXCI6ZmFsc2UsXCJJc1VuZGVybGluZWRcIjpmYWxzZX0sXCJBdXRvU2l6ZVwiOjAsXCJGb3JlZ3JvdW5kXCI6e1wiJGlkXCI6XCI3M1wiLFwiQ29sb3JcIjp7XCIkaWRcIjpcIjc0XCIsXCJBXCI6MjU1LFwiUlwiOjI1NSxcIkdcIjoyNTUsXCJCXCI6MjU1fX0sXCJCYWNrZ3JvdW5kRmlsbFR5cGVcIjowLFwiTWF4V2lkdGhcIjoyMDAuMCxcIk1heEhlaWdodFwiOlwiSW5maW5pdHlcIixcIlNtYXJ0Rm9yZWdyb3VuZElzQWN0aXZlXCI6ZmFsc2UsXCJIb3Jpem9udGFsQWxpZ25tZW50XCI6MCxcIlZlcnRpY2FsQWxpZ25tZW50XCI6MSxcIlNtYXJ0Rm9yZWdyb3VuZFwiOm51bGwsXCJNYXJnaW5cIjp7XCIkaWRcIjpcIjc1XCIsXCJUb3BcIjowLjAsXCJMZWZ0XCI6NS4wLFwiUmlnaHRcIjowLjAsXCJCb3R0b21cIjowLjB9LFwiUGFkZGluZ1wiOntcIiRpZFwiOlwiNzZcIixcIlRvcFwiOjAuMCxcIkxlZnRcIjowLjAsXCJSaWdodFwiOjAuMCxcIkJvdHRvbVwiOjAuMH0sXCJCYWNrZ3JvdW5kXCI6e1wiJGlkXCI6XCI3N1wiLFwiQ29sb3JcIjp7XCIkaWRcIjpcIjc4XCIsXCJBXCI6MCxcIlJcIjowLFwiR1wiOjAsXCJCXCI6MH19LFwiSXNWaXNpYmxlXCI6ZmFsc2UsXCJXaWR0aFwiOjAuMCxcIkhlaWdodFwiOjAuMCxcIkJvcmRlclN0eWxlXCI6bnVsbH0sXCJTaW5nbGVTY2FsZVNoYXBlU3R5bGVcIjpudWxsLFwiRWxhcHNlZFRpbWVCYWNrZ3JvdW5kXCI6e1wiJGlkXCI6XCI3OVwiLFwiQ29sb3JcIjp7XCIkaWRcIjpcIjgwXCIsXCJBXCI6NzcsXCJSXCI6MjU1LFwiR1wiOjAsXCJCXCI6MH19LFwiQXBwZW5kWWVhck9uWWVhckNoYW5nZVwiOnRydWUsXCJFbGFwc2VkVGltZUZvcm1hdFwiOjEsXCJUb2RheU1hcmtlclBvc2l0aW9uXCI6MyxcIlF1aWNrUG9zaXRpb25cIjoxLFwiQWJzb2x1dGVQb3NpdGlvblwiOjI0MC4wLFwiTWFyZ2luXCI6e1wiJGlkXCI6XCI4MVwiLFwiVG9wXCI6MC4wLFwiTGVmdFwiOjEwLjAsXCJSaWdodFwiOjEwLjAsXCJCb3R0b21cIjowLjB9LFwiUGFkZGluZ1wiOntcIiRpZFwiOlwiODJcIixcIlRvcFwiOjAuMCxcIkxlZnRcIjowLjAsXCJSaWdodFwiOjAuMCxcIkJvdHRvbVwiOjAuMH0sXCJCYWNrZ3JvdW5kXCI6e1wiJGlkXCI6XCI4M1wiLFwiQ29sb3JcIjp7XCIkaWRcIjpcIjg0XCIsXCJBXCI6MjU1LFwiUlwiOjExNSxcIkdcIjoxMTUsXCJCXCI6MTE1fX0sXCJJc1Zpc2libGVcIjp0cnVlLFwiV2lkdGhcIjowLjAsXCJIZWlnaHRcIjowLjAsXCJCb3JkZXJTdHlsZVwiOm51bGx9LFwiRGVmYXVsdE1pbGVzdG9uZVN0eWxlXCI6e1wiJGlkXCI6XCI4NVwiLFwiU2hhcGVcIjowLFwiQ29ubmVjdG9yTWFyZ2luXCI6e1wiJGlkXCI6XCI4NlwiLFwiVG9wXCI6MC4wLFwiTGVmdFwiOjIuMCxcIlJpZ2h0XCI6Mi4wLFwiQm90dG9tXCI6MC4wfSxcIkNvbm5lY3RvclN0eWxlXCI6e1wiJGlkXCI6XCI4N1wiLFwiTGluZUNvbG9yXCI6e1wiJGlkXCI6XCI4OFwiLFwiJHR5cGVcIjpcIk5MUkUuQ29tbW9uLkRvbS5Tb2xpZENvbG9yQnJ1c2gsIE5MUkUuQ29tbW9uXCIsXCJDb2xvclwiOntcIiRpZFwiOlwiODlcIixcIkFcIjoxMjcsXCJSXCI6MzEsXCJHXCI6NzMsXCJCXCI6MTI2fX0sXCJMaW5lV2VpZ2h0XCI6MS4wLFwiTGluZVR5cGVcIjowfSxcIklzQmVsb3dUaW1lYmFuZFwiOmZhbHNlLFwiSGlkZURhdGVcIjpmYWxzZSxcIlNoYXBlU2l6ZVwiOjEsXCJTcGFjaW5nXCI6Mi4wLFwiUGFkZGluZ1wiOntcIiRpZFwiOlwiOTBcIixcIlRvcFwiOjcuMCxcIkxlZnRcIjozLjAsXCJSaWdodFwiOjAuMCxcIkJvdHRvbVwiOjIuMH0sXCJQb3NpdGlvblwiOm51bGwsXCJQb3NpdGlvbk9uVGFza1wiOjAsXCJTaGFwZVN0eWxlXCI6e1wiJGlkXCI6XCI5MVwiLFwiTWFyZ2luXCI6e1wiJGlkXCI6XCI5MlwiLFwiVG9wXCI6MC4wLFwiTGVmdFwiOjAuMCxcIlJpZ2h0XCI6MC4wLFwiQm90dG9tXCI6MC4wfSxcIlBhZGRpbmdcIjp7XCIkaWRcIjpcIjkzXCIsXCJUb3BcIjowLjAsXCJMZWZ0XCI6MC4wLFwiUmlnaHRcIjowLjAsXCJCb3R0b21cIjowLjB9LFwiQmFja2dyb3VuZFwiOntcIiRpZFwiOlwiOTRcIixcIkNvbG9yXCI6e1wiJGlkXCI6XCI5NVwiLFwiQVwiOjI1NSxcIlJcIjowLFwiR1wiOjExNCxcIkJcIjoxODh9fSxcIklzVmlzaWJsZVwiOnRydWUsXCJXaWR0aFwiOjE4LjAsXCJIZWlnaHRcIjoyMC4wLFwiQm9yZGVyU3R5bGVcIjp7XCIkaWRcIjpcIjk2XCIsXCJMaW5lQ29sb3JcIjp7XCIkaWRcIjpcIjk3XCIsXCIkdHlwZVwiOlwiTkxSRS5Db21tb24uRG9tLlNvbGlkQ29sb3JCcnVzaCwgTkxSRS5Db21tb25cIixcIkNvbG9yXCI6e1wiJGlkXCI6XCI5OFwiLFwiQVwiOjI1NSxcIlJcIjoyNTUsXCJHXCI6MCxcIkJcIjowfX0sXCJMaW5lV2VpZ2h0XCI6MC4wLFwiTGluZVR5cGVcIjowfX0sXCJUaXRsZVN0eWxlXCI6e1wiJGlkXCI6XCI5OVwiLFwiRm9udFNldHRpbmdzXCI6e1wiJGlkXCI6XCIxMDBcIixcIkZvbnRTaXplXCI6MTEsXCJGb250TmFtZVwiOlwiQ2FsaWJyaVwiLFwiSXNCb2xkXCI6dHJ1ZSxcIklzSXRhbGljXCI6ZmFsc2UsXCJJc1VuZGVybGluZWRcIjpmYWxzZX0sXCJBdXRvU2l6ZVwiOjAsXCJGb3JlZ3JvdW5kXCI6e1wiJGlkXCI6XCIxMDFcIixcIkNvbG9yXCI6e1wiJGlkXCI6XCIxMDJcIixcIkFcIjoyNTUsXCJSXCI6MCxcIkdcIjowLFwiQlwiOjB9fSxcIkJhY2tncm91bmRGaWxsVHlwZVwiOjAsXCJNYXhXaWR0aFwiOjIwMC4wLFwiTWF4SGVpZ2h0XCI6XCJJbmZpbml0eVwiLFwiU21hcnRGb3JlZ3JvdW5kSXNBY3RpdmVcIjpmYWxzZSxcIkhvcml6b250YWxBbGlnbm1lbnRcIjoxLFwiVmVydGljYWxBbGlnbm1lbnRcIjowLFwiU21hcnRGb3JlZ3JvdW5kXCI6bnVsbCxcIk1hcmdpblwiOntcIiRpZFwiOlwiMTAzXCIsXCJUb3BcIjowLjAsXCJMZWZ0XCI6MC4wLFwiUmlnaHRcIjowLjAsXCJCb3R0b21cIjowLjB9LFwiUGFkZGluZ1wiOntcIiRpZFwiOlwiMTA0XCIsXCJUb3BcIjowLjAsXCJMZWZ0XCI6MC4wLFwiUmlnaHRcIjowLjAsXCJCb3R0b21cIjowLjB9LFwiQmFja2dyb3VuZFwiOntcIiRpZFwiOlwiMTA1XCIsXCJDb2xvclwiOntcIiRyZWZcIjpcIjM2XCJ9fSxcIklzVmlzaWJsZVwiOnRydWUsXCJXaWR0aFwiOjAuMCxcIkhlaWdodFwiOjAuMCxcIkJvcmRlclN0eWxlXCI6bnVsbH0sXCJEYXRlU3R5bGVcIjp7XCIkaWRcIjpcIjEwNlwiLFwiRm9udFNldHRpbmdzXCI6e1wiJGlkXCI6XCIxMDdcIixcIkZvbnRTaXplXCI6MTAsXCJGb250TmFtZVwiOlwiQ2FsaWJyaVwiLFwiSXNCb2xkXCI6ZmFsc2UsXCJJc0l0YWxpY1wiOmZhbHNlLFwiSXNVbmRlcmxpbmVkXCI6ZmFsc2V9LFwiQXV0b1NpemVcIjowLFwiRm9yZWdyb3VuZFwiOntcIiRpZFwiOlwiMTA4XCIsXCJDb2xvclwiOntcIiRpZFwiOlwiMTA5XCIsXCJBXCI6MjU1LFwiUlwiOjY4LFwiR1wiOjg0LFwiQlwiOjEwNn19LFwiQmFja2dyb3VuZEZpbGxUeXBlXCI6MCxcIk1heFdpZHRoXCI6MjAwLjAsXCJNYXhIZWlnaHRcIjpcIkluZmluaXR5XCIsXCJTbWFydEZvcmVncm91bmRJc0FjdGl2ZVwiOmZhbHNlLFwiSG9yaXpvbnRhbEFsaWdubWVudFwiOjAsXCJWZXJ0aWNhbEFsaWdubWVudFwiOjAsXCJTbWFydEZvcmVncm91bmRcIjpudWxsLFwiTWFyZ2luXCI6e1wiJGlkXCI6XCIxMTBcIixcIlRvcFwiOjAuMCxcIkxlZnRcIjowLjAsXCJSaWdodFwiOjAuMCxcIkJvdHRvbVwiOjAuMH0sXCJQYWRkaW5nXCI6e1wiJGlkXCI6XCIxMTFcIixcIlRvcFwiOjAuMCxcIkxlZnRcIjowLjAsXCJSaWdodFwiOjAuMCxcIkJvdHRvbVwiOjAuMH0sXCJCYWNrZ3JvdW5kXCI6e1wiJGlkXCI6XCIxMTJcIixcIkNvbG9yXCI6e1wiJHJlZlwiOlwiMzZcIn19LFwiSXNWaXNpYmxlXCI6dHJ1ZSxcIldpZHRoXCI6MC4wLFwiSGVpZ2h0XCI6MC4wLFwiQm9yZGVyU3R5bGVcIjpudWxsfSxcIkRhdGVGb3JtYXRcIjp7XCIkaWRcIjpcIjExM1wiLFwiRm9ybWF0U3RyaW5nXCI6XCJNTU0gZFwiLFwiU2VwYXJhdG9yXCI6XCIvXCIsXCJVc2VJbnRlcm5hdGlvbmFsRGF0ZUZvcm1hdFwiOmZhbHNlLFwiRGF0ZUlzVmlzaWJsZVwiOnRydWUsXCJUaW1lSXNWaXNpYmxlXCI6ZmFsc2UsXCJIb3VyRGlnaXRzXCI6MSxcIkFtUG1EZXNpZ25hdG9yXCI6MixcIlRyaW0wME1pbnV0ZXNcIjpmYWxzZSxcIkxhc3RLbm93blZpc2liaWxpdHlTdGF0ZVwiOm51bGx9LFwiSXNWaXNpYmxlXCI6dHJ1ZX0sXCJEZWZhdWx0VGFza1N0eWxlXCI6e1wiJGlkXCI6XCIxMTRcIixcIlNoYXBlXCI6MixcIlNoYXBlVGhpY2tuZXNzXCI6MSxcIkR1cmF0aW9uRm9ybWF0XCI6MCxcIlBlcmNlbnRhZ2VDb21wbGV0ZVN0eWxlXCI6e1wiJGlkXCI6XCIxMTVcIixcIkZvbnRTZXR0aW5nc1wiOntcIiRpZFwiOlwiMTE2XCIsXCJGb250U2l6ZVwiOjEwLFwiRm9udE5hbWVcIjpcIkNhbGlicmlcIixcIklzQm9sZFwiOmZhbHNlLFwiSXNJdGFsaWNcIjpmYWxzZSxcIklzVW5kZXJsaW5lZFwiOmZhbHNlfSxcIkF1dG9TaXplXCI6MCxcIkZvcmVncm91bmRcIjp7XCIkaWRcIjpcIjExN1wiLFwiQ29sb3JcIjp7XCIkaWRcIjpcIjExOFwiLFwiQVwiOjI1NSxcIlJcIjoyMzcsXCJHXCI6MTI1LFwiQlwiOjQ5fX0sXCJCYWNrZ3JvdW5kRmlsbFR5cGVcIjowLFwiTWF4V2lkdGhcIjoyMDAuMCxcIk1heEhlaWdodFwiOlwiSW5maW5pdHlcIixcIlNtYXJ0Rm9yZWdyb3VuZElzQWN0aXZlXCI6ZmFsc2UsXCJIb3Jpem9udGFsQWxpZ25tZW50XCI6MCxcIlZlcnRpY2FsQWxpZ25tZW50XCI6MCxcIlNtYXJ0Rm9yZWdyb3VuZFwiOm51bGwsXCJNYXJnaW5cIjp7XCIkaWRcIjpcIjExOVwiLFwiVG9wXCI6MC4wLFwiTGVmdFwiOjAuMCxcIlJpZ2h0XCI6MC4wLFwiQm90dG9tXCI6MC4wfSxcIlBhZGRpbmdcIjp7XCIkaWRcIjpcIjEyMFwiLFwiVG9wXCI6MC4wLFwiTGVmdFwiOjAuMCxcIlJpZ2h0XCI6MC4wLFwiQm90dG9tXCI6MC4wfSxcIkJhY2tncm91bmRcIjp7XCIkaWRcIjpcIjEyMVwiLFwiQ29sb3JcIjp7XCIkcmVmXCI6XCIzNlwifX0sXCJJc1Zpc2libGVcIjp0cnVlLFwiV2lkdGhcIjowLjAsXCJIZWlnaHRcIjowLjAsXCJCb3JkZXJTdHlsZVwiOm51bGx9LFwiRHVyYXRpb25TdHlsZVwiOntcIiRpZFwiOlwiMTIyXCIsXCJGb250U2V0dGluZ3NcIjp7XCIkaWRcIjpcIjEyM1wiLFwiRm9udFNpemVcIjoxMCxcIkZvbnROYW1lXCI6XCJDYWxpYnJpXCIsXCJJc0JvbGRcIjpmYWxzZSxcIklzSXRhbGljXCI6ZmFsc2UsXCJJc1VuZGVybGluZWRcIjpmYWxzZX0sXCJBdXRvU2l6ZVwiOjAsXCJGb3JlZ3JvdW5kXCI6e1wiJGlkXCI6XCIxMjRcIixcIkNvbG9yXCI6e1wiJGlkXCI6XCIxMjVcIixcIkFcIjoyNTUsXCJSXCI6MjM3LFwiR1wiOjEyNSxcIkJcIjo0OX19LFwiQmFja2dyb3VuZEZpbGxUeXBlXCI6MCxcIk1heFdpZHRoXCI6MjAwLjAsXCJNYXhIZWlnaHRcIjpcIkluZmluaXR5XCIsXCJTbWFydEZvcmVncm91bmRJc0FjdGl2ZVwiOmZhbHNlLFwiSG9yaXpvbnRhbEFsaWdubWVudFwiOjAsXCJWZXJ0aWNhbEFsaWdubWVudFwiOjAsXCJTbWFydEZvcmVncm91bmRcIjpudWxsLFwiTWFyZ2luXCI6e1wiJGlkXCI6XCIxMjZcIixcIlRvcFwiOjAuMCxcIkxlZnRcIjowLjAsXCJSaWdodFwiOjAuMCxcIkJvdHRvbVwiOjAuMH0sXCJQYWRkaW5nXCI6e1wiJGlkXCI6XCIxMjdcIixcIlRvcFwiOjAuMCxcIkxlZnRcIjowLjAsXCJSaWdodFwiOjAuMCxcIkJvdHRvbVwiOjAuMH0sXCJCYWNrZ3JvdW5kXCI6e1wiJGlkXCI6XCIxMjhcIixcIkNvbG9yXCI6e1wiJHJlZlwiOlwiMzZcIn19LFwiSXNWaXNpYmxlXCI6dHJ1ZSxcIldpZHRoXCI6MC4wLFwiSGVpZ2h0XCI6MC4wLFwiQm9yZGVyU3R5bGVcIjpudWxsfSxcIkhvcml6b250YWxDb25uZWN0b3JTdHlsZVwiOntcIiRpZFwiOlwiMTI5XCIsXCJMaW5lQ29sb3JcIjp7XCIkaWRcIjpcIjEzMFwiLFwiJHR5cGVcIjpcIk5MUkUuQ29tbW9uLkRvbS5Tb2xpZENvbG9yQnJ1c2gsIE5MUkUuQ29tbW9uXCIsXCJDb2xvclwiOntcIiRpZFwiOlwiMTMxXCIsXCJBXCI6MjU1LFwiUlwiOjIwNCxcIkdcIjoyMDQsXCJCXCI6MjA0fX0sXCJMaW5lV2VpZ2h0XCI6MS4wLFwiTGluZVR5cGVcIjowfSxcIlZlcnRpY2FsQ29ubmVjdG9yU3R5bGVcIjp7XCIkaWRcIjpcIjEzMlwiLFwiTGluZUNvbG9yXCI6e1wiJGlkXCI6XCIxMzNcIixcIiR0eXBlXCI6XCJOTFJFLkNvbW1vbi5Eb20uU29saWRDb2xvckJydXNoLCBOTFJFLkNvbW1vblwiLFwiQ29sb3JcIjp7XCIkaWRcIjpcIjEzNFwiLFwiQVwiOjI1NSxcIlJcIjoyMDQsXCJHXCI6MjA0LFwiQlwiOjIwNH19LFwiTGluZVdlaWdodFwiOjAuMCxcIkxpbmVUeXBlXCI6MH0sXCJNYXJnaW5cIjpudWxsLFwiU3RhcnREYXRlUG9zaXRpb25cIjozLFwiRW5kRGF0ZVBvc2l0aW9uXCI6NCxcIlRpdGxlUG9zaXRpb25cIjoyLFwiRHVyYXRpb25Qb3NpdGlvblwiOjYsXCJQZXJjZW50YWdlQ29tcGxldGVkUG9zaXRpb25cIjo2LFwiU3BhY2luZ1wiOjUsXCJJc0JlbG93VGltZWJhbmRcIjp0cnVlLFwiUGVyY2VudGFnZUNvbXBsZXRlU2hhcGVPcGFjaXR5XCI6MzUsXCJHcm91cE5hbWVcIjpudWxsLFwiQXR0YWNoZWRNaWxlc3RvbmVzU3R5bGVzXCI6bnVsbCxcIlNoYXBlU3R5bGVcIjp7XCIkaWRcIjpcIjEzNVwiLFwiTWFyZ2luXCI6e1wiJGlkXCI6XCIxMzZcIixcIlRvcFwiOjAuMCxcIkxlZnRcIjo0LjAsXCJSaWdodFwiOjQuMCxcIkJvdHRvbVwiOjAuMH0sXCJQYWRkaW5nXCI6e1wiJGlkXCI6XCIxMzdcIixcIlRvcFwiOjAuMCxcIkxlZnRcIjowLjAsXCJSaWdodFwiOjAuMCxcIkJvdHRvbVwiOjAuMH0sXCJCYWNrZ3JvdW5kXCI6e1wiJGlkXCI6XCIxMzhcIixcIkNvbG9yXCI6e1wiJGlkXCI6XCIxMzlcIixcIkFcIjoyNTUsXCJSXCI6MCxcIkdcIjoxMTQsXCJCXCI6MTg4fX0sXCJJc1Zpc2libGVcIjp0cnVlLFwiV2lkdGhcIjowLjAsXCJIZWlnaHRcIjoxNi4wLFwiQm9yZGVyU3R5bGVcIjp7XCIkaWRcIjpcIjE0MFwiLFwiTGluZUNvbG9yXCI6e1wiJGlkXCI6XCIxNDFcIixcIiR0eXBlXCI6XCJOTFJFLkNvbW1vbi5Eb20uU29saWRDb2xvckJydXNoLCBOTFJFLkNvbW1vblwiLFwiQ29sb3JcIjp7XCIkaWRcIjpcIjE0MlwiLFwiQVwiOjI1NSxcIlJcIjoyNTUsXCJHXCI6MCxcIkJcIjowfX0sXCJMaW5lV2VpZ2h0XCI6MC4wLFwiTGluZVR5cGVcIjowfX0sXCJUaXRsZVN0eWxlXCI6e1wiJGlkXCI6XCIxNDNcIixcIkZvbnRTZXR0aW5nc1wiOntcIiRpZFwiOlwiMTQ0XCIsXCJGb250U2l6ZVwiOjExLFwiRm9udE5hbWVcIjpcIkNhbGlicmlcIixcIklzQm9sZFwiOnRydWUsXCJJc0l0YWxpY1wiOmZhbHNlLFwiSXNVbmRlcmxpbmVkXCI6ZmFsc2V9LFwiQXV0b1NpemVcIjowLFwiRm9yZWdyb3VuZFwiOntcIiRpZFwiOlwiMTQ1XCIsXCJDb2xvclwiOntcIiRpZFwiOlwiMTQ2XCIsXCJBXCI6MjU1LFwiUlwiOjAsXCJHXCI6MCxcIkJcIjowfX0sXCJCYWNrZ3JvdW5kRmlsbFR5cGVcIjowLFwiTWF4V2lkdGhcIjo5NjAuMCxcIk1heEhlaWdodFwiOlwiSW5maW5pdHlcIixcIlNtYXJ0Rm9yZWdyb3VuZElzQWN0aXZlXCI6ZmFsc2UsXCJIb3Jpem9udGFsQWxpZ25tZW50XCI6MSxcIlZlcnRpY2FsQWxpZ25tZW50XCI6MCxcIlNtYXJ0Rm9yZWdyb3VuZFwiOm51bGwsXCJNYXJnaW5cIjp7XCIkaWRcIjpcIjE0N1wiLFwiVG9wXCI6MC4wLFwiTGVmdFwiOjAuMCxcIlJpZ2h0XCI6MC4wLFwiQm90dG9tXCI6MC4wfSxcIlBhZGRpbmdcIjp7XCIkaWRcIjpcIjE0OFwiLFwiVG9wXCI6MC4wLFwiTGVmdFwiOjAuMCxcIlJpZ2h0XCI6MC4wLFwiQm90dG9tXCI6MC4wfSxcIkJhY2tncm91bmRcIjp7XCIkaWRcIjpcIjE0OVwiLFwiQ29sb3JcIjp7XCIkcmVmXCI6XCIzNlwifX0sXCJJc1Zpc2libGVcIjp0cnVlLFwiV2lkdGhcIjowLjAsXCJIZWlnaHRcIjowLjAsXCJCb3JkZXJTdHlsZVwiOm51bGx9LFwiRGF0ZVN0eWxlXCI6e1wiJGlkXCI6XCIxNTBcIixcIkZvbnRTZXR0aW5nc1wiOntcIiRpZFwiOlwiMTUxXCIsXCJGb250U2l6ZVwiOjEwLFwiRm9udE5hbWVcIjpcIkNhbGlicmlcIixcIklzQm9sZFwiOmZhbHNlLFwiSXNJdGFsaWNcIjpmYWxzZSxcIklzVW5kZXJsaW5lZFwiOmZhbHNlfSxcIkF1dG9TaXplXCI6MCxcIkZvcmVncm91bmRcIjp7XCIkaWRcIjpcIjE1MlwiLFwiQ29sb3JcIjp7XCIkaWRcIjpcIjE1M1wiLFwiQVwiOjI1NSxcIlJcIjo2OCxcIkdcIjo4NCxcIkJcIjoxMDZ9fSxcIkJhY2tncm91bmRGaWxsVHlwZVwiOjAsXCJNYXhXaWR0aFwiOjIwMC4wLFwiTWF4SGVpZ2h0XCI6XCJJbmZpbml0eVwiLFwiU21hcnRGb3JlZ3JvdW5kSXNBY3RpdmVcIjpmYWxzZSxcIkhvcml6b250YWxBbGlnbm1lbnRcIjoxLFwiVmVydGljYWxBbGlnbm1lbnRcIjowLFwiU21hcnRGb3JlZ3JvdW5kXCI6bnVsbCxcIk1hcmdpblwiOntcIiRpZFwiOlwiMTU0XCIsXCJUb3BcIjowLjAsXCJMZWZ0XCI6MC4wLFwiUmlnaHRcIjowLjAsXCJCb3R0b21cIjowLjB9LFwiUGFkZGluZ1wiOntcIiRpZFwiOlwiMTU1XCIsXCJUb3BcIjowLjAsXCJMZWZ0XCI6MC4wLFwiUmlnaHRcIjowLjAsXCJCb3R0b21cIjowLjB9LFwiQmFja2dyb3VuZFwiOntcIiRpZFwiOlwiMTU2XCIsXCJDb2xvclwiOntcIiRyZWZcIjpcIjM2XCJ9fSxcIklzVmlzaWJsZVwiOnRydWUsXCJXaWR0aFwiOjAuMCxcIkhlaWdodFwiOjAuMCxcIkJvcmRlclN0eWxlXCI6bnVsbH0sXCJEYXRlRm9ybWF0XCI6e1wiJGlkXCI6XCIxNTdcIixcIkZvcm1hdFN0cmluZ1wiOlwiTU1NIGRcIixcIlNlcGFyYXRvclwiOlwiL1wiLFwiVXNlSW50ZXJuYXRpb25hbERhdGVGb3JtYXRcIjpmYWxzZSxcIkRhdGVJc1Zpc2libGVcIjp0cnVlLFwiVGltZUlzVmlzaWJsZVwiOmZhbHNlLFwiSG91ckRpZ2l0c1wiOjEsXCJBbVBtRGVzaWduYXRvclwiOjIsXCJUcmltMDBNaW51dGVzXCI6ZmFsc2UsXCJMYXN0S25vd25WaXNpYmlsaXR5U3RhdGVcIjpudWxsfSxcIklzVmlzaWJsZVwiOnRydWV9LFwiU2hvd0VsYXBzZWRUaW1lR3JhZGllbnRTdHlsZVwiOmZhbHNlLFwiVGltZWJhbmRSZXNlcnZlZExlZnRBcmVhU3R5bGVcIjpudWxsLFwiRGVmYXVsdFN3aW1sYW5lU3R5bGVcIjp7XCIkaWRcIjpcIjE1OFwiLFwiSGVhZGVyU3R5bGVcIjp7XCIkaWRcIjpcIjE1OVwiLFwiVGV4dFN0eWxlXCI6e1wiJGlkXCI6XCIxNjBcIixcIkZvbnRTZXR0aW5nc1wiOntcIiRpZFwiOlwiMTYxXCIsXCJGb250U2l6ZVwiOjEyLFwiRm9udE5hbWVcIjpcIkNhbGlicmlcIixcIklzQm9sZFwiOmZhbHNlLFwiSXNJdGFsaWNcIjpmYWxzZSxcIklzVW5kZXJsaW5lZFwiOmZhbHNlfSxcIkF1dG9TaXplXCI6MCxcIkZvcmVncm91bmRcIjp7XCIkaWRcIjpcIjE2MlwiLFwiQ29sb3JcIjp7XCIkaWRcIjpcIjE2M1wiLFwiQVwiOjI1NSxcIlJcIjozMixcIkdcIjo1NixcIkJcIjoxMDB9fSxcIkJhY2tncm91bmRGaWxsVHlwZVwiOjAsXCJNYXhXaWR0aFwiOjAuMCxcIk1heEhlaWdodFwiOjAuMCxcIlNtYXJ0Rm9yZWdyb3VuZElzQWN0aXZlXCI6ZmFsc2UsXCJIb3Jpem9udGFsQWxpZ25tZW50XCI6MCxcIlZlcnRpY2FsQWxpZ25tZW50XCI6MCxcIlNtYXJ0Rm9yZWdyb3VuZFwiOm51bGwsXCJNYXJnaW5cIjp7XCIkaWRcIjpcIjE2NFwiLFwiVG9wXCI6MC4wLFwiTGVmdFwiOjAuMCxcIlJpZ2h0XCI6MC4wLFwiQm90dG9tXCI6MC4wfSxcIlBhZGRpbmdcIjp7XCIkaWRcIjpcIjE2NVwiLFwiVG9wXCI6MC4wLFwiTGVmdFwiOjAuMCxcIlJpZ2h0XCI6MC4wLFwiQm90dG9tXCI6MC4wfSxcIkJhY2tncm91bmRcIjpudWxsLFwiSXNWaXNpYmxlXCI6ZmFsc2UsXCJXaWR0aFwiOjAuMCxcIkhlaWdodFwiOjAuMCxcIkJvcmRlclN0eWxlXCI6bnVsbH0sXCJSZWN0YW5nbGVTdHlsZVwiOntcIiRpZFwiOlwiMTY2XCIsXCJNYXJnaW5cIjp7XCIkaWRcIjpcIjE2N1wiLFwiVG9wXCI6MC4wLFwiTGVmdFwiOjAuMCxcIlJpZ2h0XCI6MC4wLFwiQm90dG9tXCI6MC4wfSxcIlBhZGRpbmdcIjp7XCIkaWRcIjpcIjE2OFwiLFwiVG9wXCI6MC4wLFwiTGVmdFwiOjAuMCxcIlJpZ2h0XCI6MC4wLFwiQm90dG9tXCI6MC4wfSxcIkJhY2tncm91bmRcIjp7XCIkaWRcIjpcIjE2OVwiLFwiQ29sb3JcIjp7XCIkaWRcIjpcIjE3MFwiLFwiQVwiOjEyNyxcIlJcIjo5MSxcIkdcIjoxNTUsXCJCXCI6MjEzfX0sXCJJc1Zpc2libGVcIjpmYWxzZSxcIldpZHRoXCI6MC4wLFwiSGVpZ2h0XCI6MC4wLFwiQm9yZGVyU3R5bGVcIjp7XCIkaWRcIjpcIjE3MVwiLFwiTGluZUNvbG9yXCI6e1wiJGlkXCI6XCIxNzJcIixcIiR0eXBlXCI6XCJOTFJFLkNvbW1vbi5Eb20uU29saWRDb2xvckJydXNoLCBOTFJFLkNvbW1vblwiLFwiQ29sb3JcIjp7XCIkaWRcIjpcIjE3M1wiLFwiQVwiOjI1NSxcIlJcIjoyNTUsXCJHXCI6MCxcIkJcIjowfX0sXCJMaW5lV2VpZ2h0XCI6MC4wLFwiTGluZVR5cGVcIjowfX0sXCJUZXh0SXNWZXJ0aWNhbFwiOmZhbHNlfSxcIkJhY2tncm91bmRTdHlsZVwiOntcIiRpZFwiOlwiMTc0XCIsXCJNYXJnaW5cIjp7XCIkaWRcIjpcIjE3NVwiLFwiVG9wXCI6MC4wLFwiTGVmdFwiOjAuMCxcIlJpZ2h0XCI6MC4wLFwiQm90dG9tXCI6MC4wfSxcIlBhZGRpbmdcIjp7XCIkaWRcIjpcIjE3NlwiLFwiVG9wXCI6MC4wLFwiTGVmdFwiOjAuMCxcIlJpZ2h0XCI6MC4wLFwiQm90dG9tXCI6MC4wfSxcIkJhY2tncm91bmRcIjp7XCIkaWRcIjpcIjE3N1wiLFwiQ29sb3JcIjp7XCIkaWRcIjpcIjE3OFwiLFwiQVwiOjM4LFwiUlwiOjkxLFwiR1wiOjE1NSxcIkJcIjoyMTN9fSxcIklzVmlzaWJsZVwiOnRydWUsXCJXaWR0aFwiOjAuMCxcIkhlaWdodFwiOjAuMCxcIkJvcmRlclN0eWxlXCI6e1wiJGlkXCI6XCIxNzlcIixcIkxpbmVDb2xvclwiOntcIiRpZFwiOlwiMTgwXCIsXCIkdHlwZVwiOlwiTkxSRS5Db21tb24uRG9tLlNvbGlkQ29sb3JCcnVzaCwgTkxSRS5Db21tb25cIixcIkNvbG9yXCI6e1wiJGlkXCI6XCIxODFcIixcIkFcIjoyNTUsXCJSXCI6MjU1LFwiR1wiOjAsXCJCXCI6MH19LFwiTGluZVdlaWdodFwiOjAuMCxcIkxpbmVUeXBlXCI6MH19LFwiSXNBYm92ZVRpbWViYW5kXCI6ZmFsc2V9LFwiQ3VzdG9tTWlsZXN0b25lU3R5bGVMaXN0XCI6W10sXCJDdXN0b21UYXNrU3R5bGVMaXN0XCI6W10sXCJDdXN0b21Td2ltbGFuZURlZmluaXRpb25TdHlsZUxpc3RcIjpbXSxcIkN1c3RvbVN3aW1sYW5lVjJTdHlsZUxpc3RcIjpbXSxcIkdyaWRsaW5lUGFuZWxTdHlsZVwiOntcIiRpZFwiOlwiMTgyXCIsXCJHcmlkbGluZVN0eWxlXCI6e1wiJGlkXCI6XCIxODNcIixcIkxpbmVDb2xvclwiOntcIiRpZFwiOlwiMTg0XCIsXCIkdHlwZVwiOlwiTkxSRS5Db21tb24uRG9tLlNvbGlkQ29sb3JCcnVzaCwgTkxSRS5Db21tb25cIixcIkNvbG9yXCI6e1wiJGlkXCI6XCIxODVcIixcIkFcIjozOCxcIlJcIjo5MSxcIkdcIjoxNTUsXCJCXCI6MjEzfX0sXCJMaW5lV2VpZ2h0XCI6MS4wLFwiTGluZVR5cGVcIjowfSxcIklzVmlzaWJsZVwiOnRydWV9LFwiQWN0aXZpdHlMaW5lUGFuZWxTdHlsZVwiOntcIiRpZFwiOlwiMTg2XCIsXCJBY3Rpdml0eUxpbmVTdHlsZVwiOntcIiRpZFwiOlwiMTg3XCIsXCJMaW5lQ29sb3JcIjp7XCIkaWRcIjpcIjE4OFwiLFwiJHR5cGVcIjpcIk5MUkUuQ29tbW9uLkRvbS5Tb2xpZENvbG9yQnJ1c2gsIE5MUkUuQ29tbW9uXCIsXCJDb2xvclwiOntcIiRpZFwiOlwiMTg5XCIsXCJBXCI6MzgsXCJSXCI6NjgsXCJHXCI6MTE0LFwiQlwiOjE5Nn19LFwiTGluZVdlaWdodFwiOjEuMCxcIkxpbmVUeXBlXCI6MH0sXCJJc1Zpc2libGVcIjp0cnVlfX0sXCJTY2FsZVwiOntcIiRpZFwiOlwiMTkwXCIsXCJTdGFydERhdGVcIjpcIjAwMDEtMDEtMDFUMDA6MDA6MDBcIixcIkVuZERhdGVcIjpcIjAwMDEtMDEtMDFUMDA6MDA6MDBcIixcIkZvcm1hdFwiOlwid1wiLFwiVHlwZVwiOjEsXCJBdXRvRGF0ZVJhbmdlXCI6dHJ1ZSxcIldvcmtpbmdEYXlzXCI6MzEsXCJUb2RheU1hcmtlclRleHRcIjpcIlRvZGF5XCIsXCJBdXRvU2NhbGVUeXBlXCI6dHJ1ZX0sXCJTY2FsZVYyXCI6e1wiJGlkXCI6XCIxOTFcIixcIlN0YXJ0RGF0ZVwiOlwiMDAwMS0wMS0wMVQwMDowMDowMFwiLFwiRW5kRGF0ZVwiOlwiMDAwMS0wMS0wMVQwMDowMDowMFwiLFwiQXV0b0RhdGVSYW5nZVwiOnRydWUsXCJXb3JraW5nRGF5c1wiOjMxLFwiVG9kYXlNYXJrZXJUZXh0XCI6XCJUb2RheVwiLFwiQXV0b1NjYWxlVHlwZVwiOnRydWUsXCJUaW1lYmFuZFNjYWxlc1wiOntcIiRpZFwiOlwiMTkyXCIsXCJUb3BTY2FsZUxheWVyXCI6e1wiJGlkXCI6XCIxOTNcIixcIkZvcm1hdFwiOlwid1wiLFwiVHlwZVwiOjF9LFwiTWlkZGxlU2NhbGVMYXllclwiOntcIiRpZFwiOlwiMTk0XCIsXCJGb3JtYXRcIjpudWxsLFwiVHlwZVwiOjB9LFwiQm90dG9tU2NhbGVMYXllclwiOntcIiRpZFwiOlwiMTk1XCIsXCJGb3JtYXRcIjpudWxsLFwiVHlwZVwiOjB9fX0sXCJNaWxlc3RvbmVzXCI6W10sXCJUYXNrc1wiOltdLFwiU3dpbWxhbmVzXCI6W10sXCJTd2ltbGFuZXNWMlwiOltdLFwiU2V0dGluZ3NcIjp7XCIkaWRcIjpcIjE5NlwiLFwiSW1wYU9wdGlvbnNcIjp7XCIkaWRcIjpcIjE5N1wiLFwiTGVmdFRvUmlnaHRcIjpmYWxzZSxcIlBheWxvYWRPcHRpb25zXCI6Mn19LFwiVGltZUNvbmZpZ3VyYXRpb25cIjp7XCIkaWRcIjpcIjE5OFwiLFwiVXNlVGltZVwiOmZhbHNlLFwiV29ya0RheVN0YXJ0XCI6XCIwMDowMDowMFwiLFwiV29ya0RheUVuZFwiOlwiMjM6NTk6MDBcIn19IiwiUmVjZW50Q29sb3JzQ29sbGVjdGlvbiI6IltcIiNGRjFBQUE0MlwiXSJ9LCJTZXR0aW5ncyI6eyIkaWQiOiI4NTciLCJJbXBhT3B0aW9ucyI6eyIkaWQiOiI4NTgiLCJMZWZ0VG9SaWdodCI6ZmFsc2UsIlBheWxvYWRPcHRpb25zIjoyfSwiVXNlQ29tcHJlc3Npb24iOmZhbHNlLCJDb21wcmVzaW9uUGVyY2VudGFnZSI6NTAuMCwiSW5hY3RpdmVJbnRlcnZhbFdpZHRoVGhyZXNob2xkIjozMC4wLCJJbmFjdGl2ZUludGVydmFsV2lkdGgiOjEuMCwiU3BsaXRUYXNrcyI6ZmFsc2UsIlVzZUNsdXN0ZXIiOmZhbHNlLCJFcHNpbG9uIjo1LjAsIk1pblBvaW50c1RvRm9ybUFDbHVzdGVyIjoyLCJHZW5lcmF0ZUludmlzaWJsZVNoYXBlcyI6ZmFsc2UsIlNtYXJ0VGltZWxpbmVUYXNrUGVyY2VudGFnZUZpdCI6ZmFsc2V9LCJJc05ldyI6ZmFsc2UsIkltcG9ydFR5cGUiOjAsIkZpbGVQYXRoIjpudWxsLCJUaW1lQ29uZmlndXJhdGlvbiI6eyIkaWQiOiI4NTkiLCJVc2VUaW1lIjpmYWxzZSwiV29ya0RheVN0YXJ0IjoiMDA6MDA6MDAiLCJXb3JrRGF5RW5kIjoiMjM6NTk6MDAifSwiTGFzdFVzZWRUZW1wbGF0ZUlkIjoiYzExZjZmNDktN2RiOC00NWZkLWJhMzItYmZjYWVhNDkyZjM5IiwiRmlyc3RXZWVrT2ZZZWFyIjowLCJQbGFjZU1pbGVzdG9uZUF0VGhlQmVnaW5uaW5nT2ZUaGVEYXkiOmZhbHNlfQ=="/>
@@ -9639,7 +16439,123 @@
 </p:tagLst>
 </file>
 
+<file path=ppt/tags/tag125.xml><?xml version="1.0" encoding="utf-8"?>
+<p:tagLst xmlns:a="http://schemas.openxmlformats.org/drawingml/2006/main" xmlns:r="http://schemas.openxmlformats.org/officeDocument/2006/relationships" xmlns:p="http://schemas.openxmlformats.org/presentationml/2006/main">
+  <p:tag name="__PART_0" val="eyIkaWQiOiIxIiwiX3N3aW1sYW5lc1YyIjpbeyIkaWQiOiIyIiwiX2FjdGl2aXRpZXMiOlt7IiRpZCI6IjMiLCJfcm93cyI6W3siJGlkIjoiNCIsIl90YXNrcyI6W3siJGlkIjoiNSIsIl9hdHRhY2hlZE1pbGVzdG9uZXMiOltdLCJUYXNrRGVmaW5pdGlvbiI6eyIkaWQiOiI2IiwiR3JvdXBOYW1lIjpudWxsLCJTdGFydERhdGUiOiIyMDIyLTA1LTA3VDAwOjAwOjAwWiIsIkVuZERhdGUiOiIyMDIyLTA1LTE0VDIzOjU5OjAwWiIsIlBlcmNlbnRhZ2VDb21wbGV0ZSI6bnVsbCwiU3R5bGUiOnsiJGlkIjoiNyIsIlNoYXBlIjoyLCJTaGFwZVRoaWNrbmVzcyI6MSwiRHVyYXRpb25Gb3JtYXQiOjAsIkluY2x1ZGVOb25Xb3JraW5nRGF5c0luRHVyYXRpb24iOmZhbHNlLCJQZXJjZW50YWdlQ29tcGxldGVTdHlsZSI6eyIkaWQiOiI4IiwiRm9udFNldHRpbmdzIjp7IiRpZCI6IjkiLCJGb250U2l6ZSI6MTAsIkZvbnROYW1lIjoiQ2FsaWJyaSIsIklzQm9sZCI6ZmFsc2UsIklzSXRhbGljIjpmYWxzZSwiSXNVbmRlcmxpbmVkIjpmYWxzZSwiUGFyZW50U3R5bGUiOm51bGx9LCJBdXRvU2l6ZSI6MCwiRm9yZWdyb3VuZCI6eyIkaWQiOiIxMCIsIkNvbG9yIjp7IiRpZCI6IjExIiwiQSI6MjU1LCJSIjoyMzcsIkciOjEyNSwiQiI6NDl9fSwiTWF4V2lkdGgiOjIwMC4wLCJNYXhIZWlnaHQiOiJJbmZpbml0eSIsIlNtYXJ0Rm9yZWdyb3VuZElzQWN0aXZlIjpmYWxzZSwiSG9yaXpvbnRhbEFsaWdubWVudCI6MCwiVmVydGljYWxBbGlnbm1lbnQiOjAsIlNtYXJ0Rm9yZWdyb3VuZCI6bnVsbCwiQmFja2dyb3VuZEZpbGxUeXBlIjowLCJNYXJnaW4iOnsiJGlkIjoiMTIiLCJUb3AiOjAuMCwiTGVmdCI6MC4wLCJSaWdodCI6MC4wLCJCb3R0b20iOjAuMH0sIlBhZGRpbmciOnsiJGlkIjoiMTMiLCJUb3AiOjAuMCwiTGVmdCI6MC4wLCJSaWdodCI6MC4wLCJCb3R0b20iOjAuMH0sIkJhY2tncm91bmQiOnsiJGlkIjoiMTQiLCJDb2xvciI6eyIkaWQiOiIxNSIsIkEiOjg5LCJSIjowLCJHIjowLCJCIjowfX0sIklzVmlzaWJsZSI6dHJ1ZSwiV2lkdGgiOjAuMCwiSGVpZ2h0IjowLjAsIkJvcmRlclN0eWxlIjp7IiRpZCI6IjE2IiwiTGluZUNvbG9yIjpudWxsLCJMaW5lV2VpZ2h0IjowLjAsIkxpbmVUeXBlIjowLCJQYXJlbnRTdHlsZSI6bnVsbH0sIlBhcmVudFN0eWxlIjpudWxsfSwiRHVyYXRpb25TdHlsZSI6eyIkaWQiOiIxNyIsIkZvbnRTZXR0aW5ncyI6eyIkaWQiOiIxOCIsIkZvbnRTaXplIjoxMCwiRm9udE5hbWUiOiJDYWxpYnJpIiwiSXNCb2xkIjpmYWxzZSwiSXNJdGFsaWMiOmZhbHNlLCJJc1VuZGVybGluZWQiOmZhbHNlLCJQYXJlbnRTdHlsZSI6bnVsbH0sIkF1dG9TaXplIjowLCJGb3JlZ3JvdW5kIjp7IiRpZCI6IjE5IiwiQ29sb3IiOnsiJGlkIjoiMjAiLCJBIjoyNTUsIlIiOjIzNywiRyI6MTI1LCJCIjo0OX19LCJNYXhXaWR0aCI6MjAwLjAsIk1heEhlaWdodCI6IkluZmluaXR5IiwiU21hcnRGb3JlZ3JvdW5kSXNBY3RpdmUiOmZhbHNlLCJIb3Jpem9udGFsQWxpZ25tZW50IjowLCJWZXJ0aWNhbEFsaWdubWVudCI6MCwiU21hcnRGb3JlZ3JvdW5kIjpudWxsLCJCYWNrZ3JvdW5kRmlsbFR5cGUiOjAsIk1hcmdpbiI6eyIkaWQiOiIyMSIsIlRvcCI6MC4wLCJMZWZ0IjowLjAsIlJpZ2h0IjowLjAsIkJvdHRvbSI6MC4wfSwiUGFkZGluZyI6eyIkaWQiOiIyMiIsIlRvcCI6MC4wLCJMZWZ0IjowLjAsIlJpZ2h0IjowLjAsIkJvdHRvbSI6MC4wfSwiQmFja2dyb3VuZCI6eyIkaWQiOiIyMyIsIkNvbG9yIjp7IiRyZWYiOiIxNSJ9fSwiSXNWaXNpYmxlIjp0cnVlLCJXaWR0aCI6MC4wLCJIZWlnaHQiOjAuMCwiQm9yZGVyU3R5bGUiOnsiJGlkIjoiMjQiLCJMaW5lQ29sb3IiOm51bGwsIkxpbmVXZWlnaHQiOjAuMCwiTGluZVR5cGUiOjAsIlBhcmVudFN0eWxlIjpudWxsfSwiUGFyZW50U3R5bGUiOm51bGx9LCJIb3Jpem9udGFsQ29ubmVjdG9yU3R5bGUiOnsiJGlkIjoiMjUiLCJMaW5lQ29sb3IiOnsiJGlkIjoiMjYiLCIkdHlwZSI6Ik5MUkUuQ29tbW9uLkRvbS5Tb2xpZENvbG9yQnJ1c2gsIE5MUkUuQ29tbW9uIiwiQ29sb3IiOnsiJGlkIjoiMjciLCJBIjoyNTUsIlIiOjIwNCwiRyI6MjA0LCJCIjoyMDR9fSwiTGluZVdlaWdodCI6MS4wLCJMaW5lVHlwZSI6MCwiUGFyZW50U3R5bGUiOm51bGx9LCJWZXJ0aWNhbENvbm5lY3RvclN0eWxlIjp7IiRpZCI6IjI4IiwiTGluZUNvbG9yIjp7IiRpZCI6IjI5IiwiJHR5cGUiOiJOTFJFLkNvbW1vbi5Eb20uU29saWRDb2xvckJydXNoLCBOTFJFLkNvbW1vbiIsIkNvbG9yIjp7IiRpZCI6IjMwIiwiQSI6MjU1LCJSIjoyMDQsIkciOjIwNCwiQiI6MjA0fX0sIkxpbmVXZWlnaHQiOjAuMCwiTGluZVR5cGUiOjAsIlBhcmVudFN0eWxlIjpudWxsfSwiTWFyZ2luIjpudWxsLCJTdGFydERhdGVQb3NpdGlvbiI6MywiRW5kRGF0ZVBvc2l0aW9uIjo0LCJEYXRlSXNWaXNpYmxlIjp0cnVlLCJUaXRsZVBvc2l0aW9uIjoyLCJEdXJhdGlvblBvc2l0aW9uIjo2LCJQZXJjZW50YWdlQ29tcGxldGVkUG9zaXRpb24iOjYsIlNwYWNpbmciOjUsIklzQmVsb3dUaW1lYmFuZCI6dHJ1ZSwiUGVyY2VudGFnZUNvbXBsZXRlU2hhcGVPcGFjaXR5IjozNSwiU2hhcGVTdHlsZSI6eyIkaWQiOiIzMSIsIk1hcmdpbiI6eyIkaWQiOiIzMiIsIlRvcCI6MC4wLCJMZWZ0Ijo0LjAsIlJpZ2h0Ijo0LjAsIkJvdHRvbSI6MC4wfSwiUGFkZGluZyI6eyIkaWQiOiIzMyIsIlRvcCI6MC4wLCJMZWZ0IjowLjAsIlJpZ2h0IjowLjAsIkJvdHRvbSI6MC4wfSwiQmFja2dyb3VuZCI6eyIkaWQiOiIzNCIsIkNvbG9yIjp7IiRpZCI6IjM1IiwiQSI6MjU1LCJSIjo5MSwiRyI6MTU1LCJCIjoyMTN9fSwiSXNWaXNpYmxlIjp0cnVlLCJXaWR0aCI6MC4wLCJIZWlnaHQiOjE2LjAsIkJvcmRlclN0eWxlIjp7IiRpZCI6IjM2IiwiTGluZUNvbG9yIjp7IiRpZCI6IjM3IiwiJHR5cGUiOiJOTFJFLkNvbW1vbi5Eb20uU29saWRDb2xvckJydXNoLCBOTFJFLkNvbW1vbiIsIkNvbG9yIjp7IiRpZCI6IjM4IiwiQSI6MjU1LCJSIjoyNTUsIkciOjAsIkIiOjB9fSwiTGluZVdlaWdodCI6MC4wLCJMaW5lVHlwZSI6MCwiUGFyZW50U3R5bGUiOm51bGx9LCJQYXJlbnRTdHlsZSI6bnVsbH0sIlRpdGxlU3R5bGUiOnsiJGlkIjoiMzkiLCJGb250U2V0dGluZ3MiOnsiJGlkIjoiNDAiLCJGb250U2l6ZSI6MTEsIkZvbnROYW1lIjoiQ2FsaWJyaSIsIklzQm9sZCI6dHJ1ZSwiSXNJdGFsaWMiOmZhbHNlLCJJc1VuZGVybGluZWQiOmZhbHNlLCJQYXJlbnRTdHlsZSI6bnVsbH0sIkF1dG9TaXplIjowLCJGb3JlZ3JvdW5kIjp7IiRpZCI6IjQxIiwiQ29sb3IiOnsiJGlkIjoiNDIiLCJBIjoyNTUsIlIiOjAsIkciOjAsIkIiOjB9fSwiTWF4V2lkdGgiOjcyMC4wLCJNYXhIZWlnaHQiOiJJbmZpbml0eSIsIlNtYXJ0Rm9yZWdyb3VuZElzQWN0aXZlIjpmYWxzZSwiSG9yaXpvbnRhbEFsaWdubWVudCI6MSwiVmVydGljYWxBbGlnbm1lbnQiOjAsIlNtYXJ0Rm9yZWdyb3VuZCI6bnVsbCwiQmFja2dyb3VuZEZpbGxUeXBlIjowLCJNYXJnaW4iOnsiJGlkIjoiNDMiLCJUb3AiOjAuMCwiTGVmdCI6MC4wLCJSaWdodCI6MC4wLCJCb3R0b20iOjAuMH0sIlBhZGRpbmciOnsiJGlkIjoiNDQiLCJUb3AiOjAuMCwiTGVmdCI6MC4wLCJSaWdodCI6MC4wLCJCb3R0b20iOjAuMH0sIkJhY2tncm91bmQiOnsiJGlkIjoiNDUiLCJDb2xvciI6eyIkaWQiOiI0NiIsIkEiOjAsIlIiOjI1NSwiRyI6MjU1LCJCIjoyNTV9fSwiSXNWaXNpYmxlIjp0cnVlLCJXaWR0aCI6MC4wLCJIZWlnaHQiOjAuMCwiQm9yZGVyU3R5bGUiOnsiJGlkIjoiNDciLCJMaW5lQ29sb3IiOm51bGwsIkxpbmVXZWlnaHQiOjAuMCwiTGluZVR5cGUiOjAsIlBhcmVudFN0eWxlIjpudWxsfSwiUGFyZW50U3R5bGUiOm51bGx9LCJEYXRlU3R5bGUiOnsiJGlkIjoiNDgiLCJGb250U2V0dGluZ3MiOnsiJGlkIjoiNDkiLCJGb250U2l6ZSI6MTAsIkZvbnROYW1lIjoiQ2FsaWJyaSIsIklzQm9sZCI6ZmFsc2UsIklzSXRhbGljIjpmYWxzZSwiSXNVbmRlcmxpbmVkIjpmYWxzZSwiUGFyZW50U3R5bGUiOm51bGx9LCJBdXRvU2l6ZSI6MCwiRm9yZWdyb3VuZCI6eyIkaWQiOiI1MCIsIkNvbG9yIjp7IiRpZCI6IjUxIiwiQSI6MjU1LCJSIjo2OCwiRyI6ODQsIkIiOjEwNn19LCJNYXhXaWR0aCI6MjAwLjAsIk1heEhlaWdodCI6IkluZmluaXR5IiwiU21hcnRGb3JlZ3JvdW5kSXNBY3RpdmUiOmZhbHNlLCJIb3Jpem9udGFsQWxpZ25tZW50IjoxLCJWZXJ0aWNhbEFsaWdubWVudCI6MCwiU21hcnRGb3JlZ3JvdW5kIjpudWxsLCJCYWNrZ3JvdW5kRmlsbFR5cGUiOjAsIk1hcmdpbiI6eyIkaWQiOiI1MiIsIlRvcCI6MC4wLCJMZWZ0IjowLjAsIlJpZ2h0IjowLjAsIkJvdHRvbSI6MC4wfSwiUGFkZGluZyI6eyIkaWQiOiI1MyIsIlRvcCI6MC4wLCJMZWZ0IjowLjAsIlJpZ2h0IjowLjAsIkJvdHRvbSI6MC4wfSwiQmFja2dyb3VuZCI6eyIkaWQiOiI1NCIsIkNvbG9yIjp7IiRpZCI6IjU1IiwiQSI6MCwiUiI6MjU1LCJHIjoyNTUsIkIiOjI1NX19LCJJc1Zpc2libGUiOnRydWUsIldpZHRoIjowLjAsIkhlaWdodCI6MC4wLCJCb3JkZXJTdHlsZSI6eyIkaWQiOiI1NiIsIkxpbmVDb2xvciI6bnVsbCwiTGluZVdlaWdodCI6MC4wLCJMaW5lVHlwZSI6MCwiUGFyZW50U3R5bGUiOm51bGx9LCJQYXJlbnRTdHlsZSI6bnVsbH0sIkRhdGVGb3JtYXQiOnsiJGlkIjoiNTciLCJGb3JtYXRTdHJpbmciOiJNTU0gZCIsIlNlcGFyYXRvciI6Ii8iLCJVc2VJbnRlcm5hdGlvbmFsRGF0ZUZvcm1hdCI6ZmFsc2UsIkRhdGVJc1Zpc2libGUiOnRydWUsIlRpbWVJc1Zpc2libGUiOmZhbHNlLCJIb3VyRGlnaXRzIjoxLCJBbVBtRGVzaWduYXRvciI6MiwiVHJpbTAwTWludXRlcyI6ZmFsc2UsIkxhc3RLbm93blZpc2liaWxpdHlTdGF0ZSI6bnVsbH0sIldlZWtOdW1iZXJpbmciOnsiJGlkIjoiNTgiLCJGb3JtYXQiOjAsIklzVmlzaWJsZSI6ZmFsc2UsIkxhc3RLbm93blZpc2liaWxpdHlTdGF0ZSI6ZmFsc2V9LCJJc1Zpc2libGUiOnRydWUsIlBhcmVudFN0eWxlIjpudWxsfSwiSW5kZXgiOjEsIlNtYXJ0RHVyYXRpb25BY3RpdmF0ZWQiOmZhbHNlLCJEYXRlRm9ybWF0Ijp7IiRyZWYiOiI1NyJ9LCJXZWVrTnVtYmVyaW5nIjp7IiRpZCI6IjU5IiwiRm9ybWF0IjowLCJJc1Zpc2libGUiOmZhbHNlLCJMYXN0S25vd25WaXNpYmlsaXR5U3RhdGUiOmZhbHNlfSwiSWQiOiIwMTk0YjRhYy04MGQzLTQ2NWEtODJmNi03NjE4NjYwNjM5ZTciLCJJbXBvcnRJZCI6bnVsbCwiVGl0bGUiOiJSZWdpc3RyYXRpb24gUGFnZSIsIk5vdGUiOm51bGwsIkh5cGVybGluayI6eyIkaWQiOiI2MCIsIkFkZHJlc3MiOiIiLCJTdWJBZGRyZXNzIjoiIn0sIklzQ2hhbmdlZCI6ZmFsc2UsIklzTmV3IjpmYWxzZX19XSwiX21pbGVzdG9uZXMiOltdLCJJZCI6IjAwMDAwMDAwLTAwMDAtMDAwMC0wMDAwLTAwMDAwMDAwMDAwMCIsIklzU2luZ2xlSXRlbVJvdyI6dHJ1ZX0seyIkaWQiOiI2MSIsIl90YXNrcyI6W3siJGlkIjoiNjIiLCJfYXR0YWNoZWRNaWxlc3RvbmVzIjpbXSwiVGFza0RlZmluaXRpb24iOnsiJGlkIjoiNjMiLCJHcm91cE5hbWUiOm51bGwsIlN0YXJ0RGF0ZSI6IjIwMjItMDUtMTBUMDA6MDA6MDBaIiwiRW5kRGF0ZSI6IjIwMjItMDUtMTRUMjM6NTk6MDBaIiwiUGVyY2VudGFnZUNvbXBsZXRlIjpudWxsLCJTdHlsZSI6eyIkaWQiOiI2NCIsIlNoYXBlIjoyLCJTaGFwZVRoaWNrbmVzcyI6MSwiRHVyYXRpb25Gb3JtYXQiOjAsIkluY2x1ZGVOb25Xb3JraW5nRGF5c0luRHVyYXRpb24iOmZhbHNlLCJQZXJjZW50YWdlQ29tcGxldGVTdHlsZSI6eyIkaWQiOiI2NSIsIkZvbnRTZXR0aW5ncyI6eyIkaWQiOiI2NiIsIkZvbnRTaXplIjoxMCwiRm9udE5hbWUiOiJDYWxpYnJpIiwiSXNCb2xkIjpmYWxzZSwiSXNJdGFsaWMiOmZhbHNlLCJJc1VuZGVybGluZWQiOmZhbHNlLCJQYXJlbnRTdHlsZSI6bnVsbH0sIkF1dG9TaXplIjowLCJGb3JlZ3JvdW5kIjp7IiRyZWYiOiIxMCJ9LCJNYXhXaWR0aCI6MjAwLjAsIk1heEhlaWdodCI6IkluZmluaXR5IiwiU21hcnRGb3JlZ3JvdW5kSXNBY3RpdmUiOmZhbHNlLCJIb3Jpem9udGFsQWxpZ25tZW50IjowLCJWZXJ0aWNhbEFsaWdubWVudCI6MCwiU21hcnRGb3JlZ3JvdW5kIjpudWxsLCJCYWNrZ3JvdW5kRmlsbFR5cGUiOjAsIk1hcmdpbiI6eyIkcmVmIjoiMTIifSwiUGFkZGluZyI6eyIkcmVmIjoiMTMifSwiQmFja2dyb3VuZCI6eyIkcmVmIjoiMTQifSwiSXNWaXNpYmxlIjp0cnVlLCJXaWR0aCI6MC4wLCJIZWlnaHQiOjAuMCwiQm9yZGVyU3R5bGUiOnsiJGlkIjoiNjciLCJMaW5lQ29sb3IiOm51bGwsIkxpbmVXZWlnaHQiOjAuMCwiTGluZVR5cGUiOjAsIlBhcmVudFN0eWxlIjpudWxsfSwiUGFyZW50U3R5bGUiOm51bGx9LCJEdXJhdGlvblN0eWxlIjp7IiRpZCI6IjY4IiwiRm9udFNldHRpbmdzIjp7IiRpZCI6IjY5IiwiRm9udFNpemUiOjEwLCJGb250TmFtZSI6IkNhbGlicmkiLCJJc0JvbGQiOmZhbHNlLCJJc0l0YWxpYyI6ZmFsc2UsIklzVW5kZXJsaW5lZCI6ZmFsc2UsIlBhcmVudFN0eWxlIjpudWxsfSwiQXV0b1NpemUiOjAsIkZvcmVncm91bmQiOnsiJHJlZiI6IjE5In0sIk1heFdpZHRoIjoyMDAuMCwiTWF4SGVpZ2h0IjoiSW5maW5pdHkiLCJTbWFydEZvcmVncm91bmRJc0FjdGl2ZSI6ZmFsc2UsIkhvcml6b250YWxBbGlnbm1lbnQiOjAsIlZlcnRpY2FsQWxpZ25tZW50IjowLCJTbWFydEZvcmVncm91bmQiOm51bGwsIkJhY2tncm91bmRGaWxsVHlwZSI6MCwiTWFyZ2luIjp7IiRyZWYiOiIyMSJ9LCJQYWRkaW5nIjp7IiRyZWYiOiIyMiJ9LCJCYWNrZ3JvdW5kIjp7IiRyZWYiOiIyMyJ9LCJJc1Zpc2libGUiOnRydWUsIldpZHRoIjowLjAsIkhlaWdodCI6MC4wLCJCb3JkZXJTdHlsZSI6eyIkaWQiOiI3MCIsIkxpbmVDb2xvciI6bnVsbCwiTGluZVdlaWdodCI6MC4wLCJMaW5lVHlwZSI6MCwiUGFyZW50U3R5bGUiOm51bGx9LCJQYXJlbnRTdHlsZSI6bnVsbH0sIkhvcml6b250YWxDb25uZWN0b3JTdHlsZSI6eyIkaWQiOiI3MSIsIkxpbmVDb2xvciI6eyIkcmVmIjoiMjYifSwiTGluZVdlaWdodCI6MS4wLCJMaW5lVHlwZSI6MCwiUGFyZW50U3R5bGUiOm51bGx9LCJWZXJ0aWNhbENvbm5lY3RvclN0eWxlIjp7IiRpZCI6IjcyIiwiTGluZUNvbG9yIjp7IiRyZWYiOiIyOSJ9LCJMaW5lV2VpZ2h0IjowLjAsIkxpbmVUeXBlIjowLCJQYXJlbnRTdHlsZSI6bnVsbH0sIk1hcmdpbiI6bnVsbCwiU3RhcnREYXRlUG9zaXRpb24iOjMsIkVuZERhdGVQb3NpdGlvbiI6NCwiRGF0ZUlzVmlzaWJsZSI6dHJ1ZSwiVGl0bGVQb3NpdGlvbiI6MiwiRHVyYXRpb25Qb3NpdGlvbiI6NiwiUGVyY2VudGFnZUNvbXBsZXRlZFBvc2l0aW9uIjo2LCJTcGFjaW5nIjo1LCJJc0JlbG93VGltZWJhbmQiOnRydWUsIlBlcmNlbnRhZ2VDb21wbGV0ZVNoYXBlT3BhY2l0eSI6MzUsIlNoYXBlU3R5bGUiOnsiJGlkIjoiNzMiLCJNYXJnaW4iOnsiJHJlZiI6IjMyIn0sIlBhZGRpbmciOnsiJHJlZiI6IjMzIn0sIkJhY2tncm91bmQiOnsiJGlkIjoiNzQiLCJDb2xvciI6eyIkaWQiOiI3NSIsIkEiOjI1NSwiUiI6OTEsIkciOjE1NSwiQiI6MjEzfX0sIklzVmlzaWJsZSI6dHJ1ZSwiV2lkdGgiOjAuMCwiSGVpZ2h0IjoxNi4wLCJCb3JkZXJTdHlsZSI6eyIkaWQiOiI3NiIsIkxpbmVDb2xvciI6eyIkcmVmIjoiMzcifSwiTGluZVdlaWdodCI6MC4wLCJMaW5lVHlwZSI6MCwiUGFyZW50U3R5bGUiOm51bGx9LCJQYXJlbnRTdHlsZSI6bnVsbH0sIlRpdGxlU3R5bGUiOnsiJGlkIjoiNzciLCJGb250U2V0dGluZ3MiOnsiJGlkIjoiNzgiLCJGb250U2l6ZSI6MTEsIkZvbnROYW1lIjoiQ2FsaWJyaSIsIklzQm9sZCI6dHJ1ZSwiSXNJdGFsaWMiOmZhbHNlLCJJc1VuZGVybGluZWQiOmZhbHNlLCJQYXJlbnRTdHlsZSI6bnVsbH0sIkF1dG9TaXplIjowLCJGb3JlZ3JvdW5kIjp7IiRpZCI6Ijc5IiwiQ29sb3IiOnsiJGlkIjoiODAiLCJBIjoyNTUsIlIiOjAsIkciOjAsIkIiOjB9fSwiTWF4V2lkdGgiOjcyMC4wLCJNYXhIZWlnaHQiOiJJbmZpbml0eSIsIlNtYXJ0Rm9yZWdyb3VuZElzQWN0aXZlIjpmYWxzZSwiSG9yaXpvbnRhbEFsaWdubWVudCI6MSwiVmVydGljYWxBbGlnbm1lbnQiOjAsIlNtYXJ0Rm9yZWdyb3VuZCI6bnVsbCwiQmFja2dyb3VuZEZpbGxUeXBlIjowLCJNYXJnaW4iOnsiJHJlZiI6IjQzIn0sIlBhZGRpbmciOnsiJHJlZiI6IjQ0In0sIkJhY2tncm91bmQiOnsiJGlkIjoiODEiLCJDb2xvciI6eyIkaWQiOiI4MiIsIkEiOjAsIlIiOjI1NSwiRyI6MjU1LCJCIjoyNTV9fSwiSXNWaXNpYmxlIjp0cnVlLCJXaWR0aCI6MC4wLCJIZWlnaHQiOjAuMCwiQm9yZGVyU3R5bGUiOnsiJGlkIjoiODMiLCJMaW5lQ29sb3IiOm51bGwsIkxpbmVXZWlnaHQiOjAuMCwiTGluZVR5cGUiOjAsIlBhcmVudFN0eWxlIjpudWxsfSwiUGFyZW50U3R5bGUiOm51bGx9LCJEYXRlU3R5bGUiOnsiJGlkIjoiODQiLCJGb250U2V0dGluZ3MiOnsiJGlkIjoiODUiLCJGb250U2l6ZSI6MTAsIkZvbnROYW1lIjoiQ2FsaWJyaSIsIklzQm9sZCI6ZmFsc2UsIklzSXRhbGljIjpmYWxzZSwiSXNVbmRlcmxpbmVkIjpmYWxzZSwiUGFyZW50U3R5bGUiOm51bGx9LCJBdXRvU2l6ZSI6MCwiRm9yZWdyb3VuZCI6eyIkaWQiOiI4NiIsIkNvbG9yIjp7IiRpZCI6Ijg3IiwiQSI6MjU1LCJSIjo2OCwiRyI6ODQsIkIiOjEwNn19LCJNYXhXaWR0aCI6MjAwLjAsIk1heEhlaWdodCI6IkluZmluaXR5IiwiU21hcnRGb3JlZ3JvdW5kSXNBY3RpdmUiOmZhbHNlLCJIb3Jpem9udGFsQWxpZ25tZW50IjoxLCJWZXJ0aWNhbEFsaWdubWVudCI6MCwiU21hcnRGb3JlZ3JvdW5kIjpudWxsLCJCYWNrZ3JvdW5kRmlsbFR5cGUiOjAsIk1hcmdpbiI6eyIkcmVmIjoiNTIifSwiUGFkZGluZyI6eyIkcmVmIjoiNTMifSwiQmFja2dyb3VuZCI6eyIkaWQiOiI4OCIsIkNvbG9yIjp7IiRpZCI6Ijg5IiwiQSI6MCwiUiI6MjU1LCJHIjoyNTUsIkIiOjI1NX19LCJJc1Zpc2libGUiOnRydWUsIldpZHRoIjowLjAsIkhlaWdodCI6MC4wLCJCb3JkZXJTdHlsZSI6eyIkaWQiOiI5MCIsIkxpbmVDb2xvciI6bnVsbCwiTGluZVdlaWdodCI6MC4wLCJMaW5lVHlwZSI6MCwiUGFyZW50U3R5bGUiOm51bGx9LCJQYXJlbnRTdHlsZSI6bnVsbH0sIkRhdGVGb3JtYXQiOnsiJHJlZiI6IjU3In0sIldlZWtOdW1iZXJpbmciOnsiJGlkIjoiOTEiLCJGb3JtYXQiOjAsIklzVmlzaWJsZSI6ZmFsc2UsIkxhc3RLbm93blZpc2liaWxpdHlTdGF0ZSI6ZmFsc2V9LCJJc1Zpc2libGUiOnRydWUsIlBhcmVudFN0eWxlIjpudWxsfSwiSW5kZXgiOjIsIlNtYXJ0RHVyYXRpb25BY3RpdmF0ZWQiOmZhbHNlLCJEYXRlRm9ybWF0Ijp7IiRyZWYiOiI1NyJ9LCJXZWVrTnVtYmVyaW5nIjp7IiRpZCI6IjkyIiwiRm9ybWF0IjowLCJJc1Zpc2libGUiOmZhbHNlLCJMYXN0S25vd25WaXNpYmlsaXR5U3RhdGUiOmZhbHNlfSwiSWQiOiJjMjU5NGE2OC01MDg3LTQ2MTgtOWQxNS1mZWYxNjBmYjczOGQiLCJJbXBvcnRJZCI6bnVsbCwiVGl0bGUiOiJMb2dpbiBQYWdlIiwiTm90ZSI6bnVsbCwiSHlwZXJsaW5rIjp7IiRpZCI6IjkzIiwiQWRkcmVzcyI6IiIsIlN1YkFkZHJlc3MiOiIifSwiSXNDaGFuZ2VkIjpmYWxzZSwiSXNOZXciOmZhbHNlfX1dLCJfbWlsZXN0b25lcyI6W10sIklkIjoiMDAwMDAwMDAtMDAwMC0wMDAwLTAwMDAtMDAwMDAwMDAwMDAwIiwiSXNTaW5nbGVJdGVtUm93Ijp0cnVlfV0sIkluZGV4IjowLCJJZCI6ImE5NWFlMGE4LTgxYzAtNDdkYy1hYzM5LTMxZTZmNzIwMTYzNyIsIkhlYWRlclRleHQiOm51bGwsIklzRGVmYXVsdCI6dHJ1ZSwiU3R5bGUiOnsiJGlkIjoiOTQiLCJIZWFkZXJTdHlsZSI6eyIkaWQiOiI5NSIsIlRleHRTdHlsZSI6eyIkaWQiOiI5NiIsIkZvbnRTZXR0aW5ncyI6eyIkaWQiOiI5NyIsIkZvbnRTaXplIjoxMSwiRm9udE5hbWUiOiJDYWxpYnJpIiwiSXNCb2xkIjpmYWxzZSwiSXNJdGFsaWMiOmZhbHNlLCJJc1VuZGVybGluZWQiOmZhbHNlLCJQYXJlbnRTdHlsZSI6bnVsbH0sIkF1dG9TaXplIjoyLCJGb3JlZ3JvdW5kIjp7IiRpZCI6Ijk4IiwiQ29sb3IiOnsiJGlkIjoiOTkiLCJBIjoyNTUsIlIiOjAsIkciOjAsIkIiOjB9fSwiTWF4V2lkdGgiOjAuMCwiTWF4SGVpZ2h0IjoiSW5maW5pdHkiLCJTbWFydEZvcmVncm91bmRJc0FjdGl2ZSI6ZmFsc2UsIkhvcml6b250YWxBbGlnbm1lbnQiOjAsIlZlcnRpY2FsQWxpZ25tZW50IjowLCJTbWFydEZvcmVncm91bmQiOm51bGwsIkJhY2tncm91bmRGaWxsVHlwZSI6MCwiTWFyZ2luIjp7IiRpZCI6IjEwMCIsIlRvcCI6MC4wLCJMZWZ0IjowLjAsIlJpZ2h0IjowLjAsIkJvdHRvbSI6MC4wfSwiUGFkZGluZyI6eyIkaWQiOiIxMDEiLCJUb3AiOjAuMCwiTGVmdCI6MC4wLCJSaWdodCI6MC4wLCJCb3R0b20iOjAuMH0sIkJhY2tncm91bmQiOm51bGwsIklzVmlzaWJsZSI6dHJ1ZSwiV2lkdGgiOjAuMCwiSGVpZ2h0IjowLjAsIkJvcmRlclN0eWxlIjpudWxsLCJQYXJlbnRTdHlsZSI6bnVsbH0sIlJlY3RhbmdsZVN0eWxlIjp7IiRpZCI6IjEwMiIsIk1hcmdpbiI6eyIkaWQiOiIxMDMiLCJUb3AiOjAuMCwiTGVmdCI6MC4wLCJSaWdodCI6MC4wLCJCb3R0b20iOjAuMH0sIlBhZGRpbmciOnsiJGlkIjoiMTA0IiwiVG9wIjowLjAsIkxlZnQiOjAuMCwiUmlnaHQiOjAuMCwiQm90dG9tIjowLjB9LCJCYWNrZ3JvdW5kIjp7IiRpZCI6IjEwNSIsIkNvbG9yIjp7IiRpZCI6IjEwNiIsIkEiOjYzLCJSIjo5MSwiRyI6MTU1LCJCIjoyMTN9fSwiSXNWaXNpYmxlIjp0cnVlLCJXaWR0aCI6MC4wLCJIZWlnaHQiOjAuMCwiQm9yZGVyU3R5bGUiOnsiJGlkIjoiMTA3IiwiTGluZUNvbG9yIjp7IiRpZCI6IjEwOCIsIiR0eXBlIjoiTkxSRS5Db21tb24uRG9tLlNvbGlkQ29sb3JCcnVzaCwgTkxSRS5Db21tb24iLCJDb2xvciI6eyIkaWQiOiIxMDkiLCJBIjoyNTUsIlIiOjI1NSwiRyI6MCwiQiI6MH19LCJMaW5lV2VpZ2h0IjowLjAsIkxpbmVUeXBlIjowLCJQYXJlbnRTdHlsZSI6bnVsbH0sIlBhcmVudFN0eWxlIjpudWxsfSwiTWFyZ2luIjp7IiRpZCI6IjExMCIsIlRvcCI6MC4wLCJMZWZ0IjowLjAsIlJpZ2h0IjowLjAsIkJvdHRvbSI6MC4wfSwiUGFkZGluZyI6eyIkaWQiOiIxMTEiLCJUb3AiOjAuMCwiTGVmdCI6MC4wLCJSaWdodCI6MC4wLCJCb3R0b20iOjAuMH0sIkJhY2tncm91bmQiOm51bGwsIklzVmlzaWJsZSI6dHJ1ZSwiV2lkdGgiOjAuMCwiSGVpZ2h0IjowLjAsIkJvcmRlclN0eWxlIjpudWxsLCJQYXJlbnRTdHlsZSI6bnVsbH0sIkJhY2tncm91bmRTdHlsZSI6eyIkaWQiOiIxMTIiLCJNYXJnaW4iOnsiJGlkIjoiMTEzIiwiVG9wIjowLjAsIkxlZnQiOjAuMCwiUmlnaHQiOjAuMCwiQm90dG9tIjowLjB9LCJQYWRkaW5nIjp7IiRpZCI6IjExNCIsIlRvcCI6MC4wLCJMZWZ0IjowLjAsIlJpZ2h0IjowLjAsIkJvdHRvbSI6MC4wfSwiQmFja2dyb3VuZCI6eyIkaWQiOiIxMTUiLCJDb2xvciI6eyIkaWQiOiIxMTYiLCJBIjo1MSwiUiI6MTY1LCJHIjoxNjUsIkIiOjE2NX19LCJJc1Zpc2libGUiOnRydWUsIldpZHRoIjowLjAsIkhlaWdodCI6MC4wLCJCb3JkZXJTdHlsZSI6eyIkaWQiOiIxMTciLCJMaW5lQ29sb3IiOnsiJGlkIjoiMTE4IiwiJHR5cGUiOiJOTFJFLkNvbW1vbi5Eb20uU29saWRDb2xvckJydXNoLCBOTFJFLkNvbW1vbiIsIkNvbG9yIjp7IiRpZCI6IjExOSIsIkEiOjI1NSwiUiI6MjU1LCJHIjowLCJCIjowfX0sIkxpbmVXZWlnaHQiOjAuMCwiTGluZVR5cGUiOjAsIlBhcmVudFN0eWxlIjpudWxsfSwiUGFyZW50U3R5bGUiOm51bGx9LCJNYXJnaW4iOnsiJGlkIjoiMTIwIiwiVG9wIjowLjAsIkxlZnQiOjAuMCwiUmlnaHQiOjAuMCwiQm90dG9tIjowLjB9LCJQYWRkaW5nIjp7IiRpZCI6IjEyMSIsIlRvcCI6MC4wLCJMZWZ0IjowLjAsIlJpZ2h0IjowLjAsIkJvdHRvbSI6MC4wfSwiSXNWaXNpYmxlIjpmYWxzZSwiV2lkdGgiOjAuMCwiSGVpZ2h0IjowLjAsIkJvcmRlclN0eWxlIjpudWxsLCJQYXJlbnRTdHlsZSI6bnVsbH19XSwiSWQiOiI5M2IwYjA4Zi1mZTBiLTQ3NjMtYmY0ZC1mOTM4ZjM4ZGY3MTciLCJJbmRleCI6MCwiSGVhZGVyVGV4dCI6IkF1dGhlbnRpY2F0aW9uIiwiU3R5bGUiOnsiJGlkIjoiMTIyIiwiSGVhZGVyU3R5bGUiOnsiJGlkIjoiMTIzIiwiVGV4dElzVmVydGljYWwiOmZhbHNlLCJUZXh0U3R5bGUiOnsiJGlkIjoiMTI0IiwiRm9udFNldHRpbmdzIjp7IiRpZCI6IjEyNSIsIkZvbnRTaXplIjoxMiwiRm9udE5hbWUiOiJDYWxpYnJpIiwiSXNCb2xkIjpmYWxzZSwiSXNJdGFsaWMiOmZhbHNlLCJJc1VuZGVybGluZWQiOmZhbHNlLCJQYXJlbnRTdHlsZSI6bnVsbH0sIkF1dG9TaXplIjoyLCJGb3JlZ3JvdW5kIjp7IiRpZCI6IjEyNiIsIkNvbG9yIjp7IiRpZCI6IjEyNyIsIkEiOjI1NSwiUiI6MjU1LCJHIjoyNTUsIkIiOjI1NX19LCJNYXhXaWR0aCI6MTYwLjAsIk1heEhlaWdodCI6IkluZmluaXR5IiwiU21hcnRGb3JlZ3JvdW5kSXNBY3RpdmUiOmZhbHNlLCJIb3Jpem9udGFsQWxpZ25tZW50IjowLCJWZXJ0aWNhbEFsaWdubWVudCI6MCwiU21hcnRGb3JlZ3JvdW5kIjpudWxsLCJCYWNrZ3JvdW5kRmlsbFR5cGUiOjAsIk1hcmdpbiI6eyIkaWQiOiIxMjgiLCJUb3AiOjAuMCwiTGVmdCI6MC4wLCJSaWdodCI6MC4wLCJCb3R0b20iOjAuMH0sIlBhZGRpbmciOnsiJGlkIjoiMTI5IiwiVG9wIjowLjAsIkxlZnQiOjAuMCwiUmlnaHQiOjAuMCwiQm90dG9tIjowLjB9LCJCYWNrZ3JvdW5kIjpudWxsLCJJc1Zpc2libGUiOnRydWUsIldpZHRoIjowLjAsIkhlaWdodCI6MC4wLCJCb3JkZXJTdHlsZSI6bnVsbCwiUGFyZW50U3R5bGUiOm51bGx9LCJSZWN0YW5nbGVTdHlsZSI6eyIkaWQiOiIxMzAiLCJNYXJnaW4iOnsiJGlkIjoiMTMxIiwiVG9wIjowLjAsIkxlZnQiOjAuMCwiUmlnaHQiOjAuMCwiQm90dG9tIjowLjB9LCJQYWRkaW5nIjp7IiRpZCI6IjEzMiIsIlRvcCI6MC4wLCJMZWZ0IjowLjAsIlJpZ2h0IjowLjAsIkJvdHRvbSI6MC4wfSwiQmFja2dyb3VuZCI6eyIkaWQiOiIxMzMiLCJDb2xvciI6eyIkaWQiOiIxMzQiLCJBIjoyNTUsIlIiOjkxLCJHIjoxNTUsIkIiOjIxM319LCJJc1Zpc2libGUiOnRydWUsIldpZHRoIjowLjAsIkhlaWdodCI6MC4wLCJCb3JkZXJTdHlsZSI6eyIkaWQiOiIxMzUiLCJMaW5lQ29sb3IiOnsiJGlkIjoiMTM2IiwiJHR5cGUiOiJOTFJFLkNvbW1vbi5Eb20uU29saWRDb2xvckJydXNoLCBOTFJFLkNvbW1vbiIsIkNvbG9yIjp7IiRpZCI6IjEzNyIsIkEiOjI1NSwiUiI6MjU1LCJHIjowLCJCIjowfX0sIkxpbmVXZWlnaHQiOjAuMCwiTGluZVR5cGUiOjAsIlBhcmVudFN0eWxlIjpudWxsfSwiUGFyZW50U3R5bGUiOm51bGx9LCJNYXJnaW4iOnsiJGlkIjoiMTM4IiwiVG9wIjowLjAsIkxlZnQiOjAuMCwiUmlnaHQiOjAuMCwiQm90dG9tIjowLjB9LCJQYWRkaW5nIjp7IiRpZCI6IjEzOSIsIlRvcCI6MC4wLCJMZWZ0IjowLjAsIlJpZ2h0IjowLjAsIkJvdHRvbSI6MC4wfSwiQmFja2dyb3VuZCI6bnVsbCwiSXNWaXNpYmxlIjp0cnVlLCJXaWR0aCI6MC4wLCJIZWlnaHQiOjAuMCwiQm9yZGVyU3R5bGUiOm51bGwsIlBhcmVudFN0eWxlIjpudWxsfSwiQmFja2dyb3VuZFN0eWxlIjp7IiRpZCI6IjE0MCIsIk1hcmdpbiI6eyIkaWQiOiIxNDEiLCJUb3AiOjAuMCwiTGVmdCI6MC4wLCJSaWdodCI6MC4wLCJCb3R0b20iOjAuMH0sIlBhZGRpbmciOnsiJGlkIjoiMTQyIiwiVG9wIjowLjAsIkxlZnQiOjAuMCwiUmlnaHQiOjAuMCwiQm90dG9tIjowLjB9LCJCYWNrZ3JvdW5kIjp7IiRpZCI6IjE0MyIsIkNvbG9yIjp7IiRpZCI6IjE0NCIsIkEiOjUxLCJSIjoxNjUsIkciOjE2NSwiQiI6MTY1fX0sIklzVmlzaWJsZSI6dHJ1ZSwiV2lkdGgiOjAuMCwiSGVpZ2h0IjowLjAsIkJvcmRlclN0eWxlIjp7IiRpZCI6IjE0NSIsIkxpbmVDb2xvciI6eyIkaWQiOiIxNDYiLCIkdHlwZSI6Ik5MUkUuQ29tbW9uLkRvbS5Tb2xpZENvbG9yQnJ1c2gsIE5MUkUuQ29tbW9uIiwiQ29sb3IiOnsiJGlkIjoiMTQ3IiwiQSI6MjU1LCJSIjoyNTUsIkciOjAsIkIiOjB9fSwiTGluZVdlaWdodCI6MC4wLCJMaW5lVHlwZSI6MCwiUGFyZW50U3R5bGUiOm51bGx9LCJQYXJlbnRTdHlsZSI6bnVsbH0sIklzQWJvdmVUaW1lYmFuZCI6ZmFsc2UsIk1hcmdpbiI6eyIkaWQiOiIxNDgiLCJUb3AiOjAuMCwiTGVmdCI6MC4wLCJSaWdodCI6MC4wLCJCb3R0b20iOjAuMH0sIlBhZGRpbmciOnsiJGlkIjoiMTQ5IiwiVG9wIjowLjAsIkxlZnQiOjAuMCwiUmlnaHQiOjAuMCwiQm90dG9tIjowLjB9LCJJc1Zpc2libGUiOnRydWUsIldpZHRoIjowLjAsIkhlaWdodCI6MC4wLCJCb3JkZXJTdHlsZSI6eyIkaWQiOiIxNTAiLCJMaW5lQ29sb3IiOm51bGwsIkxpbmVXZWlnaHQiOjAuMCwiTGluZVR5cGUiOjAsIlBhcmVudFN0eWxlIjpudWxsfSwiUGFyZW50U3R5bGUiOm51bGx9fSx7IiRpZCI6IjE1MSIsIl9hY3Rpdml0aWVzIjpbeyIkaWQiOiIxNTIiLCJfcm93cyI6W3siJGlkIjoiMTUzIiwiX3Rhc2tzIjpbeyIkaWQiOiIxNTQiLCJfYXR0YWNoZWRNaWxlc3RvbmVzIjpbXSwiVGFza0RlZmluaXRpb24iOnsiJGlkIjoiMTU1IiwiR3JvdXBOYW1lIjpudWxsLCJTdGFydERhdGUiOiIyMDIyLTA1LTA1VDAwOjAwOjAwWiIsIkVuZERhdGUiOiIyMDIyLTA1LTA2VDIzOjU5OjAwWiIsIlBlcmNlbnRhZ2VDb21wbGV0ZSI6bnVsbCwiU3R5bGUiOnsiJGlkIjoiMTU2IiwiU2hhcGUiOjIsIlNoYXBlVGhpY2tuZXNzIjoxLCJEdXJhdGlvbkZvcm1hdCI6MCwiSW5jbHVkZU5vbldvcmtpbmdEYXlzSW5EdXJhdGlvbiI6ZmFsc2UsIlBlcmNlbnRhZ2VDb21wbGV0ZVN0eWxlIjp7IiRpZCI6IjE1NyIsIkZvbnRTZXR0aW5ncyI6eyIkaWQiOiIxNTgiLCJGb250U2l6ZSI6MTAsIkZvbnROYW1lIjoiQ2FsaWJyaSIsIklzQm9sZCI6ZmFsc2UsIklzSXRhbGljIjpmYWxzZSwiSXNVbmRlcmxpbmVkIjpmYWxzZSwiUGFyZW50U3R5bGUiOm51bGx9LCJBdXRvU2l6ZSI6MCwiRm9yZWdyb3VuZCI6eyIkcmVmIjoiMTAifSwiTWF4V2lkdGgiOjIwMC4wLCJNYXhIZWlnaHQiOiJJbmZpbml0eSIsIlNtYXJ0Rm9yZWdyb3VuZElzQWN0aXZlIjpmYWxzZSwiSG9yaXpvbnRhbEFsaWdubWVudCI6MCwiVmVydGljYWxBbGlnbm1lbnQiOjAsIlNtYXJ0Rm9yZWdyb3VuZCI6bnVsbCwiQmFja2dyb3VuZEZpbGxUeXBlIjowLCJNYXJnaW4iOnsiJHJlZiI6IjEyIn0sIlBhZGRpbmciOnsiJHJlZiI6IjEzIn0sIkJhY2tncm91bmQiOnsiJHJlZiI6IjE0In0sIklzVmlzaWJsZSI6dHJ1ZSwiV2lkdGgiOjAuMCwiSGVpZ2h0IjowLjAsIkJvcmRlclN0eWxlIjp7IiRpZCI6IjE1OSIsIkxpbmVDb2xvciI6bnVsbCwiTGluZVdlaWdodCI6MC4wLCJMaW5lVHlwZSI6MCwiUGFyZW50U3R5bGUiOm51bGx9LCJQYXJlbnRTdHlsZSI6bnVsbH0sIkR1cmF0aW9uU3R5bGUiOnsiJGlkIjoiMTYwIiwiRm9udFNldHRpbmdzIjp7IiRpZCI6IjE2MSIsIkZvbnRTaXplIjoxMCwiRm9udE5hbWUiOiJDYWxpYnJpIiwiSXNCb2xkIjpmYWxzZSwiSXNJdGFsaWMiOmZhbHNlLCJJc1VuZGVybGluZWQiOmZhbHNlLCJQYXJlbnRTdHlsZSI6bnVsbH0sIkF1dG9TaXplIjowLCJGb3JlZ3JvdW5kIjp7IiRyZWYiOiIxOSJ9LCJNYXhXaWR0aCI6MjAwLjAsIk1heEhlaWdodCI6IkluZmluaXR5IiwiU21hcnRGb3JlZ3JvdW5kSXNBY3RpdmUiOmZhbHNlLCJIb3Jpem9udGFsQWxpZ25tZW50IjowLCJWZXJ0aWNhbEFsaWdubWVudCI6MCwiU21hcnRGb3JlZ3JvdW5kIjpudWxsLCJCYWNrZ3JvdW5kRmlsbFR5cGUiOjAsIk1hcmdpbiI6eyIkcmVmIjoiMjEifSwiUGFkZGluZyI6eyIkcmVmIjoiMjIifSwiQmFja2dyb3VuZCI6eyIkcmVmIjoiMjMifSwiSXNWaXNpYmxlIjp0cnVlLCJXaWR0aCI6MC4wLCJIZWlnaHQiOjAuMCwiQm9yZGVyU3R5bGUiOnsiJGlkIjoiMTYyIiwiTGluZUNvbG9yIjpudWxsLCJMaW5lV2VpZ2h0IjowLjAsIkxpbmVUeXBlIjowLCJQYXJlbnRTdHlsZSI6bnVsbH0sIlBhcmVudFN0eWxlIjpudWxsfSwiSG9yaXpvbnRhbENvbm5lY3RvclN0eWxlIjp7IiRpZCI6IjE2MyIsIkxpbmVDb2xvciI6eyIkcmVmIjoiMjYifSwiTGluZVdlaWdodCI6MS4wLCJMaW5lVHlwZSI6MCwiUGFyZW50U3R5bGUiOm51bGx9LCJWZXJ0aWNhbENvbm5lY3RvclN0eWxlIjp7IiRpZCI6IjE2NCIsIkxpbmVDb2xvciI6eyIkcmVmIjoiMjkifSwiTGluZVdlaWdodCI6MC4wLCJMaW5lVHlwZSI6MCwiUGFyZW50U3R5bGUiOm51bGx9LCJNYXJnaW4iOm51bGwsIlN0YXJ0RGF0ZVBvc2l0aW9uIjozLCJFbmREYXRlUG9zaXRpb24iOjQsIkRhdGVJc1Zpc2libGUiOnRydWUsIlRpdGxlUG9zaXRpb24iOjIsIkR1cmF0aW9uUG9zaXRpb24iOjYsIlBlcmNlbnRhZ2VDb21wbGV0ZWRQb3NpdGlvbiI6NiwiU3BhY2luZyI6NSwiSXNCZWxvd1RpbWViYW5kIjp0cnVlLCJQZXJjZW50YWdlQ29tcGxldGVTaGFwZU9wYWNpdHkiOjM1LCJTaGFwZVN0eWxlIjp7IiRpZCI6IjE2NSIsIk1hcmdpbiI6eyIkcmVmIjoiMzIifSwiUGFkZGluZyI6eyIkcmVmIjoiMzMifSwiQmFja2dyb3VuZCI6eyIkaWQiOiIxNjYiLCJDb2xvciI6eyIkaWQiOiIxNjciLCJBIjoyNTUsIlIiOjkxLCJHIjoxNTUsIkIiOjIxM319LCJJc1Zpc2libGUiOnRydWUsIldpZHRoIjowLjAsIkhlaWdodCI6MTYuMCwiQm9yZGVyU3R5bGUiOnsiJGlkIjoiMTY4IiwiTGluZUNvbG9yIjp7IiRyZWYiOiIzNyJ9LCJMaW5lV2VpZ2h0IjowLjAsIkxpbmVUeXBlIjowLCJQYXJlbnRTdHlsZSI6bnVsbH0sIlBhcmVudFN0eWxlIjpudWxsfSwiVGl0bGVTdHlsZSI6eyIkaWQiOiIxNjkiLCJGb250U2V0dGluZ3MiOnsiJGlkIjoiMTcwIiwiRm9udFNpemUiOjExLCJGb250TmFtZSI6IkNhbGlicmkiLCJJc0JvbGQiOnRydWUsIklzSXRhbGljIjpmYWxzZSwiSXNVbmRlcmxpbmVkIjpmYWxzZSwiUGFyZW50U3R5bGUiOm51bGx9LCJBdXRvU2l6ZSI6MCwiRm9yZWdyb3VuZCI6eyIkaWQiOiIxNzEiLCJDb2xvciI6eyIkaWQiOiIxNzIiLCJBIjoyNTUsIlIiOjAsIkciOjAsIkIiOjB9fSwiTWF4V2lkdGgiOjcyMC4wLCJNYXhIZWlnaHQiOiJJbmZpbml0eSIsIlNtYXJ0Rm9yZWdyb3VuZElzQWN0aXZlIjpmYWxzZSwiSG9yaXpvbnRhbEFsaWdubWVudCI6MSwiVmVydGljYWxBbGlnbm1lbnQiOjAsIlNtYXJ0Rm9yZWdyb3VuZCI6bnVsbCwiQmFja2dyb3VuZEZpbGxUeXBlIjowLCJNYXJnaW4iOnsiJHJlZiI6IjQzIn0sIlBhZGRpbmciOnsiJHJlZiI6IjQ0In0sIkJhY2tncm91bmQiOnsiJGlkIjoiMTczIiwiQ29sb3IiOnsiJGlkIjoiMTc0IiwiQSI6MCwiUiI6MjU1LCJHIjoyNTUsIkIiOjI1NX19LCJJc1Zpc2libGUiOnRydWUsIldpZHRoIjowLjAsIkhlaWdodCI6MC4wLCJCb3JkZXJTdHlsZSI6eyIkaWQiOiIxNzUiLCJMaW5lQ29sb3IiOm51bGwsIkxpbmVXZWlnaHQiOjAuMCwiTGluZVR5cGUiOjAsIlBhcmVudFN0eWxlIjpudWxsfSwiUGFyZW50U3R5bGUiOm51bGx9LCJEYXRlU3R5bGUiOnsiJGlkIjoiMTc2IiwiRm9udFNldHRpbmdzIjp7IiRpZCI6IjE3NyIsIkZvbnRTaXplIjoxMCwiRm9udE5hbWUiOiJDYWxpYnJpIiwiSXNCb2xkIjpmYWxzZSwiSXNJdGFsaWMiOmZhbHNlLCJJc1VuZGVybGluZWQiOmZhbHNlLCJQYXJlbnRTdHlsZSI6bnVsbH0sIkF1dG9TaXplIjowLCJGb3JlZ3JvdW5kIjp7IiRpZCI6IjE3OCIsIkNvbG9yIjp7IiRpZCI6IjE3OSIsIkEiOjI1NSwiUiI6NjgsIkciOjg0LCJCIjoxMDZ9fSwiTWF4V2lkdGgiOjIwMC4wLCJNYXhIZWlnaHQiOiJJbmZpbml0eSIsIlNtYXJ0Rm9yZWdyb3VuZElzQWN0aXZlIjpmYWxzZSwiSG9yaXpvbnRhbEFsaWdubWVudCI6MSwiVmVydGljYWxBbGlnbm1lbnQiOjAsIlNtYXJ0Rm9yZWdyb3VuZCI6bnVsbCwiQmFja2dyb3VuZEZpbGxUeXBlIjowLCJNYXJnaW4iOnsiJHJlZiI6IjUyIn0sIlBhZGRpbmciOnsiJHJlZiI6IjUzIn0sIkJhY2tncm91bmQiOnsiJGlkIjoiMTgwIiwiQ29sb3IiOnsiJGlkIjoiMTgxIiwiQSI6MCwiUiI6MjU1LCJHIjoyNTUsIkIiOjI1NX19LCJJc1Zpc2libGUiOnRydWUsIldpZHRoIjowLjAsIkhlaWdodCI6MC4wLCJCb3JkZXJTdHlsZSI6eyIkaWQiOiIxODIiLCJMaW5lQ29sb3IiOm51bGwsIkxpbmVXZWlnaHQiOjAuMCwiTGluZVR5cGUiOjAsIlBhcmVudFN0eWxlIjpudWxsfSwiUGFyZW50U3R5bGUiOm51bGx9LCJEYXRlRm9ybWF0Ijp7IiRyZWYiOiI1NyJ9LCJXZWVrTnVtYmVyaW5nIjp7IiRpZCI6IjE4MyIsIkZvcm1hdCI6MCwiSXNWaXNpYmxlIjpmYWxzZSwiTGFzdEtub3duVmlzaWJpbGl0eVN0YXRlIjpmYWxzZX0sIklzVmlzaWJsZSI6dHJ1ZSwiUGFyZW50U3R5bGUiOm51bGx9LCJJbmRleCI6NCwiU21hcnREdXJhdGlvbkFjdGl2YXRlZCI6ZmFsc2UsIkRhdGVGb3JtYXQiOnsiJHJlZiI6IjU3In0sIldlZWtOdW1iZXJpbmciOnsiJGlkIjoiMTg0IiwiRm9ybWF0IjowLCJJc1Zpc2libGUiOmZhbHNlLCJMYXN0S25vd25WaXNpYmlsaXR5U3RhdGUiOmZhbHNlfSwiSWQiOiJlMTQwODEyMS04ZDRhLTQ0YTgtYWJjZS00OWU2ZjFhNzM3NDciLCJJbXBvcnRJZCI6bnVsbCwiVGl0bGUiOiJBZG1pbiBIb21lIFBhZ2UiLCJOb3RlIjpudWxsLCJIeXBlcmxpbmsiOnsiJGlkIjoiMTg1IiwiQWRkcmVzcyI6IiIsIlN1YkFkZHJlc3MiOiIifSwiSXNDaGFuZ2VkIjpmYWxzZSwiSXNOZXciOmZhbHNlfX1dLCJfbWlsZXN0b25lcyI6W10sIklkIjoiMDAwMDAwMDAtMDAwMC0wMDAwLTAwMDAtMDAwMDAwMDAwMDAwIiwiSXNTaW5nbGVJdGVtUm93Ijp0cnVlfSx7IiRpZCI6IjE4NiIsIl90YXNrcyI6W3siJGlkIjoiMTg3IiwiX2F0dGFjaGVkTWlsZXN0b25lcyI6W10sIlRhc2tEZWZpbml0aW9uIjp7IiRpZCI6IjE4OCIsIkdyb3VwTmFtZSI6bnVsbCwiU3RhcnREYXRlIjoiMjAyMi0wNS0wNlQwMDowMDowMFoiLCJFbmREYXRlIjoiMjAyMi0wNS0wOVQyMzo1OTowMFoiLCJQZXJjZW50YWdlQ29tcGxldGUiOm51bGwsIlN0eWxlIjp7IiRpZCI6IjE4OSIsIlNoYXBlIjoyLCJTaGFwZVRoaWNrbmVzcyI6MSwiRHVyYXRpb25Gb3JtYXQiOjAsIkluY2x1ZGVOb25Xb3JraW5nRGF5c0luRHVyYXRpb24iOmZhbHNlLCJQZXJjZW50YWdlQ29tcGxldGVTdHlsZSI6eyIkaWQiOiIxOTAiLCJGb250U2V0dGluZ3MiOnsiJGlkIjoiMTkxIiwiRm9udFNpemUiOjEwLCJGb250TmFtZSI6IkNhbGlicmkiLCJJc0JvbGQiOmZhbHNlLCJJc0l0YWxpYyI6ZmFsc2UsIklzVW5kZXJsaW5lZCI6ZmFsc2UsIlBhcmVudFN0eWxlIjpudWxsfSwiQXV0b1NpemUiOjAsIkZvcmVncm91bmQiOnsiJHJlZiI6IjEwIn0sIk1heFdpZHRoIjoyMDAuMCwiTWF4SGVpZ2h0IjoiSW5maW5pdHkiLCJTbWFydEZvcmVncm91bmRJc0FjdGl2ZSI6ZmFsc2UsIkhvcml6b250YWxBbGlnbm1lbnQiOjAsIlZlcnRpY2FsQWxpZ25tZW50IjowLCJTbWFydEZvcmVncm91bmQiOm51bGwsIkJhY2tncm91bmRGaWxsVHlwZSI6MCwiTWFyZ2luIjp7IiRyZWYiOiIxMiJ9LCJQYWRkaW5nIjp7IiRyZWYiOiIxMyJ9LCJCYWNrZ3JvdW5kIjp7IiRyZWYiOiIxNCJ9LCJJc1Zpc2libGUiOnRydWUsIldpZHRoIjowLjAsIkhlaWdodCI6MC4wLCJCb3JkZXJTdHlsZSI6eyIkaWQiOiIxOTIiLCJMaW5lQ29sb3IiOm51bGwsIkxpbmVXZWlnaHQiOjAuMCwiTGluZVR5cGUiOjAsIlBhcmVudFN0eWxlIjpudWxsfSwiUGFyZW50U3R5bGUiOm51bGx9LCJEdXJhdGlvblN0eWxlIjp7IiRpZCI6IjE5MyIsIkZvbnRTZXR0aW5ncyI6eyIkaWQiOiIxOTQiLCJGb250U2l6ZSI6MTAsIkZvbnROYW1lIjoiQ2FsaWJyaSIsIklzQm9sZCI6ZmFsc2UsIklzSXRhbGljIjpmYWxzZSwiSXNVbmRlcmxpbmVkIjpmYWxzZSwiUGFyZW50U3R5bGUiOm51bGx9LCJBdXRvU2l6ZSI6MCwiRm9yZWdyb3VuZCI6eyIkcmVmIjoiMTkifSwiTWF4V2lkdGgiOjIwMC4wLCJNYXhIZWlnaHQiOiJJbmZpbml0eSIsIlNtYXJ0Rm9yZWdyb3VuZElzQWN0aXZlIjpmYWxzZSwiSG9yaXpvbnRhbEFsaWdubWVudCI6MCwiVmVydGljYWxBbGlnbm1lbnQiOjAsIlNtYXJ0Rm9yZWdyb3VuZCI6bnVsbCwiQmFja2dyb3VuZEZpbGxUeXBlIjowLCJNYXJnaW4iOnsiJHJlZiI6IjIxIn0sIlBhZGRpbmciOnsiJHJlZiI6IjIyIn0sIkJhY2tncm91bmQiOnsiJHJlZiI6IjIzIn0sIklzVmlzaWJsZSI6dHJ1ZSwiV2lkdGgiOjAuMCwiSGVpZ2h0IjowLjAsIkJvcmRlclN0eWxlIjp7IiRpZCI6IjE5NSIsIkxpbmVDb2xvciI6bnVsbCwiTGluZVdlaWdodCI6MC4wLCJMaW5lVHlwZSI6MCwiUGFyZW50U3R5bGUiOm51bGx9LCJQYXJlbnRTdHlsZSI6bnVsbH0sIkhvcml6b250YWxDb25uZWN0b3JTdHlsZSI6eyIkaWQiOiIxOTYiLCJMaW5lQ29sb3IiOnsiJHJlZiI6IjI2In0sIkxpbmVXZWlnaHQiOjEuMCwiTGluZVR5cGUiOjAsIlBhcmVudFN0eWxlIjpudWxsfSwiVmVydGljYWxDb25uZWN0b3JTdHlsZSI6eyIkaWQiOiIxOTciLCJMaW5lQ29sb3IiOnsiJHJlZiI6IjI5In0sIkxpbmVXZWlnaHQiOjAuMCwiTGluZVR5cGUiOjAsIlBhcmVudFN0eWxlIjpudWxsfSwiTWFyZ2luIjpudWxsLCJTdGFydERhdGVQb3NpdGlvbiI6MywiRW5kRGF0ZVBvc2l0aW9uIjo0LCJEYXRlSXNWaXNpYmxlIjp0cnVlLCJUaXRsZVBvc2l0aW9uIjoyLCJEdXJhdGlvblBvc2l0aW9uIjo2LCJQZXJjZW50YWdlQ29tcGxldGVkUG9zaXRpb24iOjYsIlNwYWNpbmciOjUsIklzQmVsb3dUaW1lYmFuZCI6dHJ1ZSwiUGVyY2VudGFnZUNvbXBsZXRlU2hhcGVPcGFjaXR5IjozNSwiU2hhcGVTdHlsZSI6eyIkaWQiOiIxOTgiLCJNYXJnaW4iOnsiJHJlZiI6IjMyIn0sIlBhZGRpbmciOnsiJHJlZiI6IjMzIn0sIkJhY2tncm91bmQiOnsiJGlkIjoiMTk5IiwiQ29sb3IiOnsiJGlkIjoiMjAwIiwiQSI6MjU1LCJSIjo5MSwiRyI6MTU1LCJCIjoyMTN9fSwiSXNWaXNpYmxlIjp0cnVlLCJXaWR0aCI6MC4wLCJIZWlnaHQiOjE2LjAsIkJvcmRlclN0eWxlIjp7IiRpZCI6IjIwMSIsIkxpbmVDb2xvciI6eyIkcmVmIjoiMzcifSwiTGluZVdlaWdodCI6MC4wLCJMaW5lVHlwZSI6MCwiUGFyZW50U3R5bGUiOm51bGx9LCJQYXJlbnRTdHlsZSI6bnVsbH0sIlRpdGxlU3R5bGUiOnsiJGlkIjoiMjAyIiwiRm9udFNldHRpbmdzIjp7IiRpZCI6IjIwMyIsIkZvbnRTaXplIjoxMSwiRm9udE5hbWUiOiJDYWxpYnJpIiwiSXNCb2xkIjp0cnVlLCJJc0l0YWxpYyI6ZmFsc2UsIklzVW5kZXJsaW5lZCI6ZmFsc2UsIlBhcmVudFN0eWxlIjpudWxsfSwiQXV0b1NpemUiOjAsIkZvcmVncm91bmQiOnsiJGlkIjoiMjA0IiwiQ29sb3IiOnsiJGlkIjoiMjA1IiwiQSI6MjU1LCJSIjowLCJHIjowLCJCIjowfX0sIk1heFdpZHRoIjo3MjAuMCwiTWF4SGVpZ2h0IjoiSW5maW5pdHkiLCJTbWFydEZvcmVncm91bmRJc0FjdGl2ZSI6ZmFsc2UsIkhvcml6b250YWxBbGlnbm1lbnQiOjEsIlZlcnRpY2FsQWxpZ25tZW50IjowLCJTbWFydEZvcmVncm91bmQiOm51bGwsIkJhY2tncm91bmRGaWxsVHlwZSI6MCwiTWFyZ2luIjp7IiRyZWYiOiI0MyJ9LCJQYWRkaW5nIjp7IiRyZWYiOiI0NCJ9LCJCYWNrZ3JvdW5kIjp7IiRpZCI6IjIwNiIsIkNvbG9yIjp7IiRpZCI6IjIwNyIsIkEiOjAsIlIiOjI1NSwiRyI6MjU1LCJCIjoyNTV9fSwiSXNWaXNpYmxlIjp0cnVlLCJXaWR0aCI6MC4wLCJIZWlnaHQiOjAuMCwiQm9yZGVyU3R5bGUiOnsiJGlkIjoiMjA4IiwiTGluZUNvbG9yIjpudWxsLCJMaW5lV2VpZ2h0IjowLjAsIkxpbmVUeXBlIjowLCJQYXJlbnRTdHlsZSI6bnVsbH0sIlBhcmVudFN0eWxlIjpudWxsfSwiRGF0ZVN0eWxlIjp7IiRpZCI6IjIwOSIsIkZvbnRTZXR0aW5ncyI6eyIkaWQiOiIyMTAiLCJGb250U2l6ZSI6MTAsIkZvbnROYW1lIjoiQ2FsaWJyaSIsIklzQm9sZCI6ZmFsc2UsIklzSXRhbGljIjpmYWxzZSwiSXNVbmRlcmxpbmVkIjpmYWxzZSwiUGFyZW50U3R5bGUiOm51bGx9LCJBdXRvU2l6ZSI6MCwiRm9yZWdyb3VuZCI6eyIkaWQiOiIyMTEiLCJDb2xvciI6eyIkaWQiOiIyMTIiLCJBIjoyNTUsIlIiOjY4LCJHIjo4NCwiQiI6MTA2fX0sIk1heFdpZHRoIjoyMDAuMCwiTWF4SGVpZ2h0IjoiSW5maW5pdHkiLCJTbWFydEZvcmVncm91bmRJc0FjdGl2ZSI6ZmFsc2UsIkhvcml6b250YWxBbGlnbm1lbnQiOjEsIlZlcnRpY2FsQWxpZ25tZW50IjowLCJTbWFydEZvcmVncm91bmQiOm51bGwsIkJhY2tncm91bmRGaWxsVHlwZSI6MCwiTWFyZ2luIjp7IiRyZWYiOiI1MiJ9LCJQYWRkaW5nIjp7IiRyZWYiOiI1MyJ9LCJCYWNrZ3JvdW5kIjp7IiRpZCI6IjIxMyIsIkNvbG9yIjp7IiRpZCI6IjIxNCIsIkEiOjAsIlIiOjI1NSwiRyI6MjU1LCJCIjoyNTV9fSwiSXNWaXNpYmxlIjp0cnVlLCJXaWR0aCI6MC4wLCJIZWlnaHQiOjAuMCwiQm9yZGVyU3R5bGUiOnsiJGlkIjoiMjE1IiwiTGluZUNvbG9yIjpudWxsLCJMaW5lV2VpZ2h0IjowLjAsIkxpbmVUeXBlIjowLCJQYXJlbnRTdHlsZSI6bnVsbH0sIlBhcmVudFN0eWxlIjpudWxsfSwiRGF0ZUZvcm1hdCI6eyIkcmVmIjoiNTcifSwiV2Vla051bWJlcmluZyI6eyIkaWQiOiIyMTYiLCJGb3JtYXQiOjAsIklzVmlzaWJsZSI6ZmFsc2UsIkxhc3RLbm93blZpc2liaWxpdHlTdGF0ZSI6ZmFsc2V9LCJJc1Zpc2libGUiOnRydWUsIlBhcmVudFN0eWxlIjpudWxsfSwiSW5kZXgiOjUsIlNtYXJ0RHVyYXRpb25BY3RpdmF0ZWQiOmZhbHNlLCJEYXRlRm9ybWF0Ijp7IiRyZWYiOiI1NyJ9LCJXZWVrTnVtYmVyaW5nIjp7IiRpZCI6IjIxNyIsIkZvcm1hdCI6MCwiSXNWaXNpYmxlIjpmYWxzZSwiTGFzdEtub3duVmlzaWJpbGl0eVN0YXRlIjpmYWxzZX0sIklkIjoiZmQwMmQ2MWItNmU0MS00YmUwLTgxYWEtODE4N2FjZTJkYzVlIiwiSW1wb3J0SWQiOm51bGwsIlRpdGxlIjoiQWRkIEFkbWluIiwiTm90ZSI6bnVsbCwiSHlwZXJsaW5rIjp7IiRpZCI6IjIxOCIsIkFkZHJlc3MiOiIiLCJTdWJBZGRyZXNzIjoiIn0sIklzQ2hhbmdlZCI6ZmFsc2UsIklzTmV3IjpmYWxzZX19XSwiX21pbGVzdG9uZXMiOltdLCJJZCI6IjAwMDAwMDAwLTAwMDAtMDAwMC0wMDAwLTAwMDAwMDAwMDAwMCIsIklzU2luZ2xlSXRlbVJvdyI6dHJ1ZX0seyIkaWQiOiIyMTkiLCJfdGFza3MiOlt7IiRpZCI6IjIyMCIsIl9hdHRhY2hlZE1pbGVzdG9uZXMiOltdLCJUYXNrRGVmaW5pdGlvbiI6eyIkaWQiOiIyMjEiLCJHcm91cE5hbWUiOm51bGwsIlN0YXJ0RGF0ZSI6IjIwMjItMDUtMTFUMDA6MDA6MDBaIiwiRW5kRGF0ZSI6IjIwMjItMDUtMTNUMjM6NTk6MDBaIiwiUGVyY2VudGFnZUNvbXBsZXRlIjpudWxsLCJTdHlsZSI6eyIkaWQiOiIyMjIiLCJTaGFwZSI6MiwiU2hhcGVUaGlja25lc3MiOjEsIkR1cmF0aW9uRm9ybWF0IjowLCJJbmNsdWRlTm9uV29ya2luZ0RheXNJbkR1cmF0aW9uIjpmYWxzZSwiUGVyY2VudGFnZUNvbXBsZXRlU3R5bGUiOnsiJGlkIjoiMjIzIiwiRm9udFNldHRpbmdzIjp7IiRpZCI6IjIyNCIsIkZvbnRTaXplIjoxMCwiRm9udE5hbWUiOiJDYWxpYnJpIiwiSXNCb2xkIjpmYWxzZSwiSXNJdGFsaWMiOmZhbHNlLCJJc1VuZGVybGluZWQiOmZhbHNlLCJQYXJlbnRTdHlsZSI6bnVsbH0sIkF1dG9TaXplIjowLCJGb3JlZ3JvdW5kIjp7IiRyZWYiOiIxMCJ9LCJNYXhXaWR0aCI6MjAwLjAsIk1heEhlaWdodCI6IkluZmluaXR5IiwiU21hcnRGb3JlZ3JvdW5kSXNBY3RpdmUiOmZhbHNlLCJIb3Jpem9udGFsQWxpZ25tZW50IjowLCJWZXJ0aWNhbEFsaWdubWVudCI6MCwiU21hcnRGb3JlZ3JvdW5kIjpudWxsLCJCYWNrZ3JvdW5kRmlsbFR5cGUiOjAsIk1hcmdpbiI6eyIkcmVmIjoiMTIifSwiUGFkZGluZyI6eyIkcmVmIjoiMTMifSwiQmFja2dyb3VuZCI6eyIkcmVmIjoiMTQifSwiSXNWaXNpYmxlIjp0cnVlLCJXaWR0aCI6MC4wLCJIZWlnaHQiOjAuMCwiQm9yZGVyU3R5bGUiOnsiJGlkIjoiMjI1IiwiTGluZUNvbG9yIjpudWxsLCJMaW5lV2VpZ2h0IjowLjAsIkxpbmVUeXBlIjowLCJQYXJlbnRTdHlsZSI6bnVsbH0sIlBhcmVudFN0eWxlIjpudWxsfSwiRHVyYXRpb25TdHlsZSI6eyIkaWQiOiIyMjYiLCJGb250U2V0dGluZ3MiOnsiJGlkIjoiMjI3IiwiRm9udFNpemUiOjEwLCJGb250TmFtZSI6IkNhbGlicmkiLCJJc0JvbGQiOmZhbHNlLCJJc0l0YWxpYyI6ZmFsc2UsIklzVW5kZXJsaW5lZCI6ZmFsc2UsIlBhcmVudFN0eWxlIjpudWxsfSwiQXV0b1NpemUiOjAsIkZvcmVncm91bmQiOnsiJHJlZiI6IjE5In0sIk1heFdpZHRoIjoyMDAuMCwiTWF4SGVpZ2h0IjoiSW5maW5pdHkiLCJTbWFydEZvcmVncm91bmRJc0FjdGl2ZSI6ZmFsc2UsIkhvcml6b250YWxBbGlnbm1lbnQiOjAsIlZlcnRpY2FsQWxpZ25tZW50IjowLCJTbWFydEZvcmVncm91bmQiOm51bGwsIkJhY2tncm91bmRGaWxsVHlwZSI6MCwiTWFyZ2luIjp7IiRyZWYiOiIyMSJ9LCJQYWRkaW5nIjp7IiRyZWYiOiIyMiJ9LCJCYWNrZ3JvdW5kIjp7IiRyZWYiOiIyMyJ9LCJJc1Zpc2libGUiOnRydWUsIldpZHRoIjowLjAsIkhlaWdodCI6MC4wLCJCb3JkZXJTdHlsZSI6eyIkaWQiOiIyMjgiLCJMaW5lQ29sb3IiOm51bGwsIkxpbmVXZWlnaHQiOjAuMCwiTGluZVR5cGUiOjAsIlBhcmVudFN0eWxlIjpudWxsfSwiUGFyZW50U3R5bGUiOm51bGx9LCJIb3Jpem9udGFsQ29ubmVjdG9yU3R5bGUiOnsiJGlkIjoiMjI5IiwiTGluZUNvbG9yIjp7IiRyZWYiOiIyNiJ9LCJMaW5lV2VpZ2h0IjoxLjAsIkxpbmVUeXBlIjowLCJQYXJlbnRTdHlsZSI6bnVsbH0sIlZlcnRpY2FsQ29ubmVjdG9yU3R5bGUiOnsiJGlkIjoiMjMwIiwiTGluZUNvbG9yIjp7IiRyZWYiOiIyOSJ9LCJMaW5lV2VpZ2h0IjowLjAsIkxpbmVUeXBlIjowLCJQYXJlbnRTdHlsZSI6bnVsbH0sIk1hcmdpbiI6bnVsbCwiU3RhcnREYXRlUG9zaXRpb24iOjMsIkVuZERhdGVQb3NpdGlvbiI6NCwiRGF0ZUlzVmlzaWJsZSI6dHJ1ZSwiVGl0bGVQb3NpdGlvbiI6MiwiRHVyYXRpb25Qb3NpdGlvbiI6NiwiUGVyY2VudGFnZUNvbXBsZXRlZFBvc2l0aW9uIjo2LCJTcGFjaW5nIjo1LCJJc0JlbG93VGltZWJhbmQiOnRydWUsIlBlcmNlbnRhZ2VDb21wbGV0ZVNoYXBlT3BhY2l0eSI6MzUsIlNoYXBlU3R5bGUiOnsiJGlkIjoiMjMxIiwiTWFyZ2luIjp7IiRyZWYiOiIzMiJ9LCJQYWRkaW5nIjp7IiRyZWYiOiIzMyJ9LCJCYWNrZ3JvdW5kIjp7IiRpZCI6IjIzMiIsIkNvbG9yIjp7IiRpZCI6IjIzMyIsIkEiOjI1NSwiUiI6OTEsIkciOjE1NSwiQiI6MjEzfX0sIklzVmlzaWJsZSI6dHJ1ZSwiV2lkdGgiOjAuMCwiSGVpZ2h0IjoxNi4wLCJCb3JkZXJTdHlsZSI6eyIkaWQiOiIyMzQiLCJMaW5lQ29sb3IiOnsiJHJlZiI6IjM3In0sIkxpbmVXZWlnaHQiOjAuMCwiTGluZVR5cGUiOjAsIlBhcmVudFN0eWxlIjpudWxsfSwiUGFyZW50U3R5bGUiOm51bGx9LCJUaXRsZVN0eWxlIjp7IiRpZCI6IjIzNSIsIkZvbnRTZXR0aW5ncyI6eyIkaWQiOiIyMzYiLCJGb250U2l6ZSI6MTEsIkZvbnROYW1lIjoiQ2FsaWJyaSIsIklzQm9sZCI6dHJ1ZSwiSXNJdGFsaWMiOmZhbHNlLCJJc1VuZGVybGluZWQiOmZhbHNlLCJQYXJlbnRTdHlsZSI6bnVsbH0sIkF1dG9TaXplIjowLCJGb3JlZ3JvdW5kIjp7IiRpZCI6IjIzNyIsIkNvbG9yIjp7IiRpZCI6IjIzOCIsIkEiOjI1NSwiUiI6MCwiRyI6MCwiQiI6MH19LCJNYXhXaWR0aCI6NzIwLjAsIk1heEhlaWdodCI6IkluZmluaXR5IiwiU21hcnRGb3JlZ3JvdW5kSXNBY3RpdmUiOmZhbHNlLCJIb3Jpem9udGFsQWxpZ25tZW50IjoxLCJWZXJ0aWNhbEFsaWdubWVudCI6MCwiU21hcnRGb3JlZ3JvdW5kIjpudWxsLCJCYWNrZ3JvdW5kRmlsbFR5cGUiOjAsIk1hcmdpbiI6eyIkcmVmIjoiNDMifSwiUGFkZGluZyI6eyIkcmVmIjoiNDQifSwiQmFja2dyb3VuZCI6eyIkaWQiOiIyMzkiLCJDb2xvciI6eyIkaWQiOiIyNDAiLCJBIjowLCJSIjoyNTUsIkciOjI1NSwiQiI6MjU1fX0sIklzVmlzaWJsZSI6dHJ1ZSwiV2lkdGgiOjAuMCwiSGVpZ2h0IjowLjAsIkJvcmRlclN0eWxlIjp7IiRpZCI6IjI0MSIsIkxpbmVDb2xvciI6bnVsbCwiTGluZVdlaWdodCI6MC4wLCJMaW5lVHlwZSI6MCwiUGFyZW50U3R5bGUiOm51bGx9LCJQYXJlbnRTdHlsZSI6bnVsbH0sIkRhdGVTdHlsZSI6eyIkaWQiOiIyNDIiLCJGb250U2V0dGluZ3MiOnsiJGlkIjoiMjQzIiwiRm9udFNpemUiOjEwLCJGb250TmFtZSI6IkNhbGlicmkiLCJJc0JvbGQiOmZhbHNlLCJJc0l0YWxpYyI6ZmFsc2UsIklzVW5kZXJsaW5lZCI6ZmFsc2UsIlBhcmVudFN0eWxlIjpudWxsfSwiQXV0b1NpemUiOjAsIkZvcmVncm91bmQiOnsiJGlkIjoiMjQ0IiwiQ29sb3IiOnsiJGlkIjoiMjQ1IiwiQSI6MjU1LCJSIjo2OCwiRyI6ODQsIkIiOjEwNn19LCJNYXhXaWR0aCI6MjAwLjAsIk1heEhlaWdodCI6IkluZmluaXR5IiwiU21hcnRGb3JlZ3JvdW5kSXNBY3RpdmUiOmZhbHNlLCJIb3Jpem9udGFsQWxpZ25tZW50IjoxLCJWZXJ0aWNhbEFsaWdubWVudCI6MCwiU21hcnRGb3JlZ3JvdW5kIjpudWxsLCJCYWNrZ3JvdW5kRmlsbFR5cGUiOjAsIk1hcmdpbiI6eyIkcmVmIjoiNTIifSwiUGFkZGluZyI6eyIkcmVmIjoiNTMifSwiQmFja2dyb3VuZCI6eyIkaWQiOiIyNDYiLCJDb2xvciI6eyIkaWQiOiIyNDciLCJBIjowLCJSIjoyNTUsIkciOjI1NSwiQiI6MjU1fX0sIklzVmlzaWJsZSI6dHJ1ZSwiV2lkdGgiOjAuMCwiSGVpZ2h0IjowLjAsIkJvcmRlclN0eWxlIjp7IiRpZCI6IjI0OCIsIkxpbmVDb2xvciI6bnVsbCwiTGluZVdlaWdodCI6MC4wLCJMaW5lVHlwZSI6MCwiUGFyZW50U3R5bGUiOm51bGx9LCJQYXJlbnRTdHlsZSI6bnVsbH0sIkRhdGVGb3JtYXQiOnsiJHJlZiI6IjU3In0sIldlZWtOdW1iZXJpbmciOnsiJGlkIjoiMjQ5IiwiRm9ybWF0IjowLCJJc1Zpc2libGUiOmZhbHNlLCJMYXN0S25vd25WaXNpYmlsaXR5U3RhdGUiOmZhbHNlfSwiSXNWaXNpYmxlIjp0cnVlLCJQYXJlbnRTdHlsZSI6bnVsbH0sIkluZGV4Ijo2LCJTbWFydER1cmF0aW9uQWN0aXZhdGVkIjpmYWxzZSwiRGF0ZUZvcm1hdCI6eyIkcmVmIjoiNTcifSwiV2Vla051bWJlcmluZyI6eyIkaWQiOiIyNTAiLCJGb3JtYXQiOjAsIklzVmlzaWJsZSI6ZmFsc2UsIkxhc3RLbm93blZpc2liaWxpdHlTdGF0ZSI6ZmFsc2V9LCJJZCI6ImZlNDk4MDlkLWFlYTgtNDJhNy05MmJkLWE4ZTUyMDg4NDYwYiIsIkltcG9ydElkIjpudWxsLCJUaXRsZSI6IkFkZCBVc2VyIiwiTm90ZSI6bnVsbCwiSHlwZXJsaW5rIjp7IiRpZCI6IjI1MSIsIkFkZHJlc3MiOiIiLCJTdWJBZGRyZXNzIjoiIn0sIklzQ2hhbmdlZCI6ZmFsc2UsIklzTmV3IjpmYWxzZX19XSwiX21pbGVzdG9uZXMiOltdLCJJZCI6IjAwMDAwMDAwLTAwMDAtMDAwMC0wMDAwLTAwMDAwMDAwMDAwMCIsIklzU2luZ2xlSXRlbVJvdyI6dHJ1ZX0seyIkaWQiOiIyNTIiLCJfdGFza3MiOlt7IiRpZCI6IjI1MyIsIl9hdHRhY2hlZE1pbGVzdG9uZXMiOltdLCJUYXNrRGVmaW5pdGlvbiI6eyIkaWQiOiIyNTQiLCJHcm91cE5hbWUiOm51bGwsIlN0YXJ0RGF0ZSI6IjIwMjItMDUtMDlUMDA6MDA6MDBaIiwiRW5kRGF0ZSI6IjIwMjItMDUtMTNUMjM6NTk6MDBaIiwiUGVyY2VudGFnZUNvbXBsZXRlIjpudWxsLCJTdHlsZSI6eyIkaWQiOiIyNTUiLCJTaGFwZSI6MiwiU2hhcGVUaGlja25lc3MiOjEsIkR1cmF0aW9uRm9ybWF0IjowLCJJbmNsdWRlTm9uV29ya2luZ0RheXNJbkR1cmF0aW9uIjpmYWxzZSwiUGVyY2VudGFnZUNvbXBsZXRlU3R5bGUiOnsiJGlkIjoiMjU2IiwiRm9udFNldHRpbmdzIjp7IiRpZCI6IjI1NyIsIkZvbnRTaXplIjoxMCwiRm9udE5hbWUiOiJDYWxpYnJpIiwiSXNCb2xkIjpmYWxzZSwiSXNJdGFsaWMiOmZhbHNlLCJJc1VuZGVybGluZWQiOmZhbHNlLCJQYXJlbnRTdHlsZSI6bnVsbH0sIkF1dG9TaXplIjowLCJGb3JlZ3JvdW5kIjp7IiRyZWYiOiIxMCJ9LCJNYXhXaWR0aCI6MjAwLjAsIk1heEhlaWdodCI6IkluZmluaXR5IiwiU21hcnRGb3JlZ3JvdW5kSXNBY3RpdmUiOmZhbHNlLCJIb3Jpem9udGFsQWxpZ25tZW50IjowLCJWZXJ0aWNhbEFsaWdubWVudCI6MCwiU21hcnRGb3JlZ3JvdW5kIjpudWxsLCJCYWNrZ3JvdW5kRmlsbFR5cGUiOjAsIk1hcmdpbiI6eyIkcmVmIjoiMTIifSwiUGFkZGluZyI6eyIkcmVmIjoiMTMifSwiQmFja2dyb3VuZCI6eyIkcmVmIjoiMTQifSwiSXNWaXNpYmxlIjp0cnVlLCJXaWR0aCI6MC4wLCJIZWlnaHQiOjAuMCwiQm9yZGVyU3R5bGUiOnsiJGlkIjoiMjU4IiwiTGluZUNvbG9yIjpudWxsLCJMaW5lV2VpZ2h0IjowLjAsIkxpbmVUeXBlIjowLCJQYXJlbnRTdHlsZSI6bnVsbH0sIlBhcmVudFN0eWxlIjpudWxsfSwiRHVyYXRpb25TdHlsZSI6eyIkaWQiOiIyNTkiLCJGb250U2V0dGluZ3MiOnsiJGlkIjoiMjYwIiwiRm9udFNpemUiOjEwLCJGb250TmFtZSI6IkNhbGlicmkiLCJJc0JvbGQiOmZhbHNlLCJJc0l0YWxpYyI6ZmFsc2UsIklzVW5kZXJsaW5lZCI6ZmFsc2UsIlBhcmVudFN0eWxlIjpudWxsfSwiQXV0b1NpemUiOjAsIkZvcmVncm91bmQiOnsiJHJlZiI6IjE5In0sIk1heFdpZHRoIjoyMDAuMCwiTWF4SGVpZ2h0IjoiSW5maW5pdHkiLCJTbWFydEZvcmVncm91bmRJc0FjdGl2ZSI6ZmFsc2UsIkhvcml6b250YWxBbGlnbm1lbnQiOjAsIlZlcnRpY2FsQWxpZ25tZW50IjowLCJTbWFydEZvcmVncm91bmQiOm51bGwsIkJhY2tncm91bmRGaWxsVHlwZSI6MCwiTWFyZ2luIjp7IiRyZWYiOiIyMSJ9LCJQYWRkaW5nIjp7IiRyZWYiOiIyMiJ9LCJCYWNrZ3JvdW5kIjp7IiRyZWYiOiIyMyJ9LCJJc1Zpc2libGUiOnRydWUsIldpZHRoIjowLjAsIkhlaWdodCI6MC4wLCJCb3JkZXJTdHlsZSI6eyIkaWQiOiIyNjEiLCJMaW5lQ29sb3IiOm51bGwsIkxpbmVXZWlnaHQiOjAuMCwiTGluZVR5cGUiOjAsIlBhcmVudFN0eWxlIjpudWxsfSwiUGFyZW50U3R5bGUiOm51bGx9LCJIb3Jpem9udGFsQ29ubmVjdG9yU3R5bGUiOnsiJGlkIjoiMjYyIiwiTGluZUNvbG9yIjp7IiRyZWYiOiIyNiJ9LCJMaW5lV2VpZ2h0IjoxLjAsIkxpbmVUeXBlIjowLCJQYXJlbnRTdHlsZSI6bnVsbH0sIlZlcnRpY2FsQ29ubmVjdG9yU3R5bGUiOnsiJGlkIjoiMjYzIiwiTGluZUNvbG9yIjp7IiRyZWYiOiIyOSJ9LCJMaW5lV2VpZ2h0IjowLjAsIkxpbmVUeXBlIjowLCJQYXJlbnRTdHlsZSI6bnVsbH0sIk1hcmdpbiI6bnVsbCwiU3RhcnREYXRlUG9zaXRpb24iOjMsIkVuZERhdGVQb3NpdGlvbiI6NCwiRGF0ZUlzVmlzaWJsZSI6dHJ1ZSwiVGl0bGVQb3NpdGlvbiI6MiwiRHVyYXRpb25Qb3NpdGlvbiI6NiwiUGVyY2VudGFnZUNvbXBsZXRlZFBvc2l0aW9uIjo2LCJTcGFjaW5nIjo1LCJJc0JlbG93VGltZWJhbmQiOnRydWUsIlBlcmNlbnRhZ2VDb21wbGV0ZVNoYXBlT3BhY2l0eSI6MzUsIlNoYXBlU3R5bGUiOnsiJGlkIjoiMjY0IiwiTWFyZ2luIjp7IiRyZWYiOiIzMiJ9LCJQYWRkaW5nIjp7IiRyZWYiOiIzMyJ9LCJCYWNrZ3JvdW5kIjp7IiRpZCI6IjI2NSIsIkNvbG9yIjp7IiRpZCI6IjI2NiIsIkEiOjI1NSwiUiI6OTEsIkciOjE1NSwiQiI6MjEzfX0sIklzVmlzaWJsZSI6dHJ1ZSwiV2lkdGgiOjAuMCwiSGVpZ2h0IjoxNi4wLCJCb3JkZXJTdHlsZSI6eyIkaWQiOiIyNjciLCJMaW5lQ29sb3IiOnsiJHJlZiI6IjM3In0sIkxpbmVXZWlnaHQiOjAuMCwiTGluZVR5cGUiOjAsIlBhcmVudFN0eWxlIjpudWxsfSwiUGFyZW50U3R5bGUiOm51bGx9LCJUaXRsZVN0eWxlIjp7IiRpZCI6IjI2OCIsIkZvbnRTZXR0aW5ncyI6eyIkaWQiOiIyNjkiLCJGb250U2l6ZSI6MTEsIkZvbnROYW1lIjoiQ2FsaWJyaSIsIklzQm9sZCI6dHJ1ZSwiSXNJdGFsaWMiOmZhbHNlLCJJc1VuZGVybGluZWQiOmZhbHNlLCJQYXJlbnRTdHlsZSI6bnVsbH0sIkF1dG9TaXplIjowLCJGb3JlZ3JvdW5kIjp7IiRpZCI6IjI3MCIsIkNvbG9yIjp7IiRpZCI6IjI3MSIsIkEiOjI1NSwiUiI6MCwiRyI6MCwiQiI6MH19LCJNYXhXaWR0aCI6NzIwLjAsIk1heEhlaWdodCI6IkluZmluaXR5IiwiU21hcnRGb3JlZ3JvdW5kSXNBY3RpdmUiOmZhbHNlLCJIb3Jpem9udGFsQWxpZ25tZW50IjoxLCJWZXJ0aWNhbEFsaWdubWVudCI6MCwiU21hcnRGb3JlZ3JvdW5kIjpudWxsLCJCYWNrZ3JvdW5kRmlsbFR5cGUiOjAsIk1hcmdpbiI6eyIkcmVmIjoiNDMifSwiUGFkZGluZyI6eyIkcmVmIjoiNDQifSwiQmFja2dyb3VuZCI6eyIkaWQiOiIyNzIiLCJDb2xvciI6eyIkaWQiOiIyNzMiLCJBIjowLCJSIjoyNTUsIkciOjI1NSwiQiI6MjU1fX0sIklzVmlzaWJsZSI6dHJ1ZSwiV2lkdGgiOjAuMCwiSGVpZ2h0IjowLjAsIkJvcmRlclN0eWxlIjp7IiRpZCI6IjI3NCIsIkxpbmVDb2xvciI6bnVsbCwiTGluZVdlaWdodCI6MC4wLCJMaW5lVHlwZSI6MCwiUGFyZW50U3R5bGUiOm51bGx9LCJQYXJlbnRTdHlsZSI6bnVsbH0sIkRhdGVTdHlsZSI6eyIkaWQiOiIyNzUiLCJGb250U2V0dGluZ3MiOnsiJGlkIjoiMjc2IiwiRm9udFNpemUiOjEwLCJGb250TmFtZSI6IkNhbGlicmkiLCJJc0JvbGQiOmZhbHNlLCJJc0l0YWxpYyI6ZmFsc2UsIklzVW5kZXJsaW5lZCI6ZmFsc2UsIlBhcmVudFN0eWxlIjpudWxsfSwiQXV0b1NpemUiOjAsIkZvcmVncm91bmQiOnsiJGlkIjoiMjc3IiwiQ29sb3IiOnsiJGlkIjoiMjc4IiwiQSI6MjU1LCJSIjo2OCwiRyI6ODQsIkIiOjEwNn19LCJNYXhXaWR0aCI6MjAwLjAsIk1heEhlaWdodCI6IkluZmluaXR5IiwiU21hcnRGb3JlZ3JvdW5kSXNBY3RpdmUiOmZhbHNlLCJIb3Jpem9udGFsQWxpZ25tZW50IjoxLCJWZXJ0aWNhbEFsaWdubWVudCI6MCwiU21hcnRGb3JlZ3JvdW5kIjpudWxsLCJCYWNrZ3JvdW5kRmlsbFR5cGUiOjAsIk1hcmdpbiI6eyIkcmVmIjoiNTIifSwiUGFkZGluZyI6eyIkcmVmIjoiNTMifSwiQmFja2dyb3VuZCI6eyIkaWQiOiIyNzkiLCJDb2xvciI6eyIkaWQiOiIyODAiLCJBIjowLCJSIjoyNTUsIkciOjI1NSwiQiI6MjU1fX0sIklzVmlzaWJsZSI6dHJ1ZSwiV2lkdGgiOjAuMCwiSGVpZ2h0IjowLjAsIkJvcmRlclN0eWxlIjp7IiRpZCI6IjI4MSIsIkxpbmVDb2xvciI6bnVsbCwiTGluZVdlaWdodCI6MC4wLCJMaW5lVHlwZSI6MCwiUGFyZW50U3R5bGUiOm51bGx9LCJQYXJlbnRTdHlsZSI6bnVsbH0sIkRhdGVGb3JtYXQiOnsiJHJlZiI6IjU3In0sIldlZWtOdW1iZXJpbmciOnsiJGlkIjoiMjgyIiwiRm9ybWF0IjowLCJJc1Zpc2libGUiOmZhbHNlLCJMYXN0S25vd25WaXNpYmlsaXR5U3RhdGUiOmZhbHNlfSwiSXNWaXNpYmxlIjp0cnVlLCJQYXJlbnRTdHlsZSI6bnVsbH0sIkluZGV4Ijo3LCJTbWFydER1cmF0aW9uQWN0aXZhdGVkIjpmYWxzZSwiRGF0ZUZvcm1hdCI6eyIkcmVmIjoiNTcifSwiV2Vla051bWJlcmluZyI6eyIkaWQiOiIyODMiLCJGb3JtYXQiOjAsIklzVmlzaWJsZSI6ZmFsc2UsIkxhc3RLbm93blZpc2liaWxpdHlTdGF0ZSI6ZmFsc2V9LCJJZCI6IjBkNDAwYTAyLTAyYjAtNDI2NC1iNTJmLTExMDgxZWVmNmVhMCIsIkltcG9ydElkIjpudWxsLCJUaXRsZSI6IkFkZCBDYXIiLCJOb3RlIjpudWxsLCJIeXBlcmxpbmsiOnsiJGlkIjoiMjg0IiwiQWRkcmVzcyI6IiIsIlN1YkFkZHJlc3MiOiIifSwiSXNDaGFuZ2VkIjpmYWxzZSwiSXNOZXciOmZhbHNlfX1dLCJfbWlsZXN0b25lcyI6W10sIklkIjoiMDAwMDAwMDAtMDAwMC0wMDAwLTAwMDAtMDAwMDAwMDAwMDAwIiwiSXNTaW5nbGVJdGVtUm93Ijp0cnVlfSx7IiRpZCI6IjI4NSIsIl90YXNrcyI6W3siJGlkIjoiMjg2IiwiX2F0dGFjaGVkTWlsZXN0b25lcyI6W10sIlRhc2tEZWZpbml0aW9uIjp7IiRpZCI6IjI4NyIsIkdyb3VwTmFtZSI6bnVsbCwiU3RhcnREYXRlIjoiMjAyMi0wNS0xMFQwMDowMDowMFoiLCJFbmREYXRlIjoiMjAyMi0wNS0xM1QyMzo1OTowMFoiLCJQZXJjZW50YWdlQ29tcGxldGUiOm51bGwsIlN0eWxlIjp7IiRpZCI6IjI4OCIsIlNoYXBlIjoyLCJTaGFwZVRoaWNrbmVzcyI6MSwiRHVyYXRpb25Gb3JtYXQiOjAsIkluY2x1ZGVOb25Xb3JraW5nRGF5c0luRHVyYXRpb24iOmZhbHNlLCJQZXJjZW50YWdlQ29tcGxldGVTdHlsZSI6eyIkaWQiOiIyODkiLCJGb250U2V0dGluZ3MiOnsiJGlkIjoiMjkwIiwiRm9udFNpemUiOjEwLCJGb250TmFtZSI6IkNhbGlicmkiLCJJc0JvbGQiOmZhbHNlLCJJc0l0YWxpYyI6ZmFsc2UsIklzVW5kZXJsaW5lZCI6ZmFsc2UsIlBhcmVudFN0eWxlIjpudWxsfSwiQXV0b1NpemUiOjAsIkZvcmVncm91bmQiOnsiJHJlZiI6IjEwIn0sIk1heFdpZHRoIjoyMDAuMCwiTWF4SGVpZ2h0IjoiSW5maW5pdHkiLCJTbWFydEZvcmVncm91bmRJc0FjdGl2ZSI6ZmFsc2UsIkhvcml6b250YWxBbGlnbm1lbnQiOjAsIlZlcnRpY2FsQWxpZ25tZW50IjowLCJTbWFydEZvcmVncm91bmQiOm51bGwsIkJhY2tncm91bmRGaWxsVHlwZSI6MCwiTWFyZ2luIjp7IiRyZWYiOiIxMiJ9LCJQYWRkaW5nIjp7IiRyZWYiOiIxMyJ9LCJCYWNrZ3JvdW5kIjp7IiRyZWYiOiIxNCJ9LCJJc1Zpc2libGUiOnRydWUsIldpZHRoIjowLjAsIkhlaWdodCI6MC4wLCJCb3JkZXJTdHlsZSI6eyIkaWQiOiIyOTEiLCJMaW5lQ29sb3IiOm51bGwsIkxpbmVXZWlnaHQiOjAuMCwiTGluZVR5cGUiOjAsIlBhcmVudFN0eWxlIjpudWxsfSwiUGFyZW50U3R5bGUiOm51bGx9LCJEdXJhdGlvblN0eWxlIjp7IiRpZCI6IjI5MiIsIkZvbnRTZXR0aW5ncyI6eyIkaWQiOiIyOTMiLCJGb250U2l6ZSI6MTAsIkZvbnROYW1lIjoiQ2FsaWJyaSIsIklzQm9sZCI6ZmFsc2UsIklzSXRhbGljIjpmYWxzZSwiSXNVbmRlcmxpbmVkIjpmYWxzZSwiUGFyZW50U3R5bGUiOm51bGx9LCJBdXRvU2l6ZSI6MCwiRm9yZWdyb3VuZCI6eyIkcmVmIjoiMTkifSwiTWF4V2lkdGgiOjIwMC4wLCJNYXhIZWlnaHQiOiJJbmZpbml0eSIsIlNtYXJ0Rm9yZWdyb3VuZElzQWN0aXZlIjpmYWxzZSwiSG9yaXpvbnRhbEFsaWdubWVudCI6MCwiVmVydGljYWxBbGlnbm1lbnQiOjAsIlNtYXJ0Rm9yZWdyb3VuZCI6bnVsbCwiQmFja2dyb3VuZEZpbGxUeXBlIjowLCJNYXJnaW4iOnsiJHJlZiI6IjIxIn0sIlBhZGRpbmciOnsiJHJlZiI6IjIyIn0sIkJhY2tncm91bmQiOnsiJHJlZiI6IjIzIn0sIklzVmlzaWJsZSI6dHJ1ZSwiV2lkdGgiOjAuMCwiSGVpZ2h0IjowLjAsIkJvcmRlclN0eWxlIjp7IiRpZCI6IjI5NCIsIkxpbmVDb2xvciI6bnVsbCwiTGluZVdlaWdodCI6MC4wLCJMaW5lVHlwZSI6MCwiUGFyZW50U3R5bGUiOm51bGx9LCJQYXJlbnRTdHlsZSI6bnVsbH0sIkhvcml6b250YWxDb25uZWN0b3JTdHlsZSI6eyIkaWQiOiIyOTUiLCJMaW5lQ29sb3IiOnsiJHJlZiI6IjI2In0sIkxpbmVXZWlnaHQiOjEuMCwiTGluZVR5cGUiOjAsIlBhcmVudFN0eWxlIjpudWxsfSwiVmVydGljYWxDb25uZWN0b3JTdHlsZSI6eyIkaWQiOiIyOTYiLCJMaW5lQ29sb3IiOnsiJHJlZiI6IjI5In0sIkxpbmVXZWlnaHQiOjAuMCwiTGluZVR5cGUiOjAsIlBhcmVudFN0eWxlIjpudWxsfSwiTWFyZ2luIjpudWxsLCJTdGFydERhdGVQb3NpdGlvbiI6MywiRW5kRGF0ZVBvc2l0aW9uIjo0LCJEYXRlSXNWaXNpYmxlIjp0cnVlLCJUaXRsZVBvc2l0aW9uIjoyLCJEdXJhdGlvblBvc2l0aW9uIjo2LCJQZXJjZW50YWdlQ29tcGxldGVkUG9zaXRpb24iOjYsIlNwYWNpbmciOjUsIklzQmVsb3dUaW1lYmFuZCI6dHJ1ZSwiUGVyY2VudGFnZUNvbXBsZXRlU2hhcGVPcGFjaXR5IjozNSwiU2hhcGVTdHlsZSI6eyIkaWQiOiIyOTciLCJNYXJnaW4iOnsiJHJlZiI6IjMyIn0sIlBhZGRpbmciOnsiJHJlZiI6IjMzIn0sIkJhY2tncm91bmQiOnsiJGlkIjoiMjk4IiwiQ29sb3IiOnsiJGlkIjoiMjk5IiwiQSI6MjU1LCJSIjo5MSwiRyI6MTU1LCJCIjoyMTN9fSwiSXNWaXNpYmxlIjp0cnVlLCJXaWR0aCI6MC4wLCJIZWlnaHQiOjE2LjAsIkJvcmRlclN0eWxlIjp7IiRpZCI6IjMwMCIsIkxpbmVDb2xvciI6eyIkcmVmIjoiMzcifSwiTGluZVdlaWdodCI6MC4wLCJMaW5lVHlwZSI6MCwiUGFyZW50U3R5bGUiOm51bGx9LCJQYXJlbnRTdHlsZSI6bnVsbH0sIlRpdGxlU3R5bGUiOnsiJGlkIjoiMzAxIiwiRm9udFNldHRpbmdzIjp7IiRpZCI6IjMwMiIsIkZvbnRTaXplIjoxMSwiRm9udE5hbWUiOiJDYWxpYnJpIiwiSXNCb2xkIjp0cnVlLCJJc0l0YWxpYyI6ZmFsc2UsIklzVW5kZXJsaW5lZCI6ZmFsc2UsIlBhcmVudFN0eWxlIjpudWxsfSwiQXV0b1NpemUiOjAsIkZvcmVncm91bmQiOnsiJGlkIjoiMzAzIiwiQ29sb3IiOnsiJGlkIjoiMzA0IiwiQSI6MjU1LCJSIjowLCJHIjowLCJCIjowfX0sIk1heFdpZHRoIjo3MjAuMCwiTWF4SGVpZ2h0IjoiSW5maW5pdHkiLCJTbWFydEZvcmVncm91bmRJc0FjdGl2ZSI6ZmFsc2UsIkhvcml6b250YWxBbGlnbm1lbnQiOjEsIlZlcnRpY2FsQWxpZ25tZW50IjowLCJTbWFydEZvcmVncm91bmQiOm51bGwsIkJhY2tncm91bmRGaWxsVHlwZSI6MCwiTWFyZ2luIjp7IiRyZWYiOiI0MyJ9LCJQYWRkaW5nIjp7IiRyZWYiOiI0NCJ9LCJCYWNrZ3JvdW5kIjp7IiRpZCI6IjMwNSIsIkNvbG9yIjp7IiRpZCI6IjMwNiIsIkEiOjAsIlIiOjI1NSwiRyI6MjU1LCJCIjoyNTV9fSwiSXNWaXNpYmxlIjp0cnVlLCJXaWR0aCI6MC4wLCJIZWlnaHQiOjAuMCwiQm9yZGVyU3R5bGUiOnsiJGlkIjoiMzA3IiwiTGluZUNvbG9yIjpudWxsLCJMaW5lV2VpZ2h0IjowLjAsIkxpbmVUeXBlIjowLCJQYXJlbnRTdHlsZSI6bnVsbH0sIlBhcmVudFN0eWxlIjpudWxsfSwiRGF0ZVN0eWxlIjp7IiRpZCI6IjMwOCIsIkZvbnRTZXR0aW5ncyI6eyIkaWQiOiIzMDkiLCJGb250U2l6ZSI6MTAsIkZvbnROYW1lIjoiQ2FsaWJyaSIsIklzQm9sZCI6ZmFsc2UsIklzSXRhbGljIjpmYWxzZSwiSXNVbmRlcmxpbmVkIjpmYWxzZSwiUGFyZW50U3R5bGUiOm51bGx9LCJBdXRvU2l6ZSI6MCwiRm9yZWdyb3VuZCI6eyIkaWQiOiIzMTAiLCJDb2xvciI6eyIkaWQiOiIzMTEiLCJBIjoyNTUsIlIiOjY4LCJHIjo4NCwiQiI6MTA2fX0sIk1heFdpZHRoIjoyMDAuMCwiTWF4SGVpZ2h0IjoiSW5maW5pdHkiLCJTbWFydEZvcmVncm91bmRJc0FjdGl2ZSI6ZmFsc2UsIkhvcml6b250YWxBbGlnbm1lbnQiOjEsIlZlcnRpY2FsQWxpZ25tZW50IjowLCJTbWFydEZvcmVncm91bmQiOm51bGwsIkJhY2tncm91bmRGaWxsVHlwZSI6MCwiTWFyZ2luIjp7IiRyZWYiOiI1MiJ9LCJQYWRkaW5nIjp7IiRyZWYiOiI1MyJ9LCJCYWNrZ3JvdW5kIjp7IiRpZCI6IjMxMiIsIkNvbG9yIjp7IiRpZCI6IjMxMyIsIkEiOjAsIlIiOjI1NSwiRyI6MjU1LCJCIjoyNTV9fSwiSXNWaXNpYmxlIjp0cnVlLCJXaWR0aCI6MC4wLCJIZWlnaHQiOjAuMCwiQm9yZGVyU3R5bGUiOnsiJGlkIjoiMzE0IiwiTGluZUNvbG9yIjpudWxsLCJMaW5lV2VpZ2h0IjowLjAsIkxpbmVUeXBlIjowLCJQYXJlbnRTdHlsZSI6bnVsbH0sIlBhcmVudFN0eWxlIjpudWxsfSwiRGF0ZUZvcm1hdCI6eyIkcmVmIjoiNTcifSwiV2Vla051bWJlcmluZyI6eyIkaWQiOiIzMTUiLCJGb3JtYXQiOjAsIklzVmlzaWJsZSI6ZmFsc2UsIkxhc3RLbm93blZpc2liaWxpdHlTdGF0ZSI6ZmFsc2V9LCJJc1Zpc2libGUiOnRydWUsIlBhcmVudFN0eWxlIjpudWxsfSwiSW5kZXgiOjgsIlNtYXJ0RHVyYXRpb25BY3RpdmF0ZWQiOmZhbHNlLCJEYXRlRm9ybWF0Ijp7IiRyZWYiOiI1NyJ9LCJXZWVrTnVtYmVyaW5nIjp7IiRpZCI6IjMxNiIsIkZvcm1hdCI6MCwiSXNWaXNpYmxlIjpmYWxzZSwiTGFzdEtub3duVmlzaWJpbGl0eVN0YXRlIjpmYWxzZX0sIklkIjoiMWNhMTNjYTUtYTk1Yy00OTM3LWI2ZGEtMzIxNDkxNmIzMGJhIiwiSW1wb3J0SWQiOm51bGwsIlRpdGxlIjoiRGVsZXRlIENhciIsIk5vdGUiOm51bGwsIkh5cGVybGluayI6eyIkaWQiOiIzMTciLCJBZGRyZXNzIjoiIiwiU3ViQWRkcmVzcyI6IiJ9LCJJc0NoYW5nZWQiOmZhbHNlLCJJc05ldyI6ZmFsc2V9fV0sIl9taWxlc3RvbmVzIjpbXSwiSWQiOiIwMDAwMDAwMC0wMDAwLTAwMDAtMDAwMC0wMDAwMDAwMDAwMDAiLCJJc1NpbmdsZUl0ZW1Sb3ciOnRydWV9LHsiJGlkIjoiMzE4IiwiX3Rhc2tzIjpbeyIkaWQiOiIzMTkiLCJfYXR0YWNoZWRNaWxlc3RvbmVzIjpbXSwiVGFza0RlZmluaXRpb24iOnsiJGlkIjoiMzIwIiwiR3JvdXBOYW1lIjpudWxsLCJTdGFydERhdGUiOiIyMDIyLTA1LTEyVDAwOjAwOjAwWiIsIkVuZERhdGUiOiIyMDIyLTA1LTEzVDIzOjU5OjAwWiIsIlBlcmNlbnRhZ2VDb21wbGV0ZSI6bnVsbCwiU3R5bGUiOnsiJGlkIjoiMzIxIiwiU2hhcGUiOjIsIlNoYXBlVGhpY2tuZXNzIjoxLCJEdXJhdGlvbkZvcm1hdCI6MCwiSW5jbHVkZU5vbldvcmtpbmdEYXlzSW5EdXJhdGlvbiI6ZmFsc2UsIlBlcmNlbnRhZ2VDb21wbGV0ZVN0eWxlIjp7IiRpZCI6IjMyMiIsIkZvbnRTZXR0aW5ncyI6eyIkaWQiOiIzMjMiLCJGb250U2l6ZSI6MTAsIkZvbnROYW1lIjoiQ2FsaWJyaSIsIklzQm9sZCI6ZmFsc2UsIklzSXRhbGljIjpmYWxzZSwiSXNVbmRlcmxpbmVkIjpmYWxzZSwiUGFyZW50U3R5bGUiOm51bGx9LCJBdXRvU2l6ZSI6MCwiRm9yZWdyb3VuZCI6eyIkcmVmIjoiMTAifSwiTWF4V2lkdGgiOjIwMC4wLCJNYXhIZWlnaHQiOiJJbmZpbml0eSIsIlNtYXJ0Rm9yZWdyb3VuZElzQWN0aXZlIjpmYWxzZSwiSG9yaXpvbnRhbEFsaWdubWVudCI6MCwiVmVydGljYWxBbGlnbm1lbnQiOjAsIlNtYXJ0Rm9yZWdyb3VuZCI6bnVsbCwiQmFja2dyb3VuZEZpbGxUeXBlIjowLCJNYXJnaW4iOnsiJHJlZiI6IjEyIn0sIlBhZGRpbmciOnsiJHJlZiI6IjEzIn0sIkJhY2tncm91bmQiOnsiJHJlZiI6IjE0In0sIklzVmlzaWJsZSI6dHJ1ZSwiV2lkdGgiOjAuMCwiSGVpZ2h0IjowLjAsIkJvcmRlclN0eWxlIjp7IiRpZCI6IjMyNCIsIkxpbmVDb2xvciI6bnVsbCwiTGluZVdlaWdodCI6MC4wLCJMaW5lVHlwZSI6MCwiUGFyZW50U3R5bGUiOm51bGx9LCJQYXJlbnRTdHlsZSI6bnVsbH0sIkR1cmF0aW9uU3R5bGUiOnsiJGlkIjoiMzI1IiwiRm9udFNldHRpbmdzIjp7IiRpZCI6IjMyNiIsIkZvbnRTaXplIjoxMCwiRm9udE5hbWUiOiJDYWxpYnJpIiwiSXNCb2xkIjpmYWxzZSwiSXNJdGFsaWMiOmZhbHNlLCJJc1VuZGVybGluZWQiOmZhbHNlLCJQYXJlbnRTdHlsZSI6bnVsbH0sIkF1dG9TaXplIjowLCJGb3JlZ3JvdW5kIjp7IiRyZWYiOiIxOSJ9LCJNYXhXaWR0aCI6MjAwLjAsIk1heEhlaWdodCI6IkluZmluaXR5IiwiU21hcnRGb3JlZ3JvdW5kSXNBY3RpdmUiOmZhbHNlLCJIb3Jpem9udGFsQWxpZ25tZW50IjowLCJWZXJ0aWNhbEFsaWdubWVudCI6MCwiU21hcnRGb3JlZ3JvdW5kIjpudWxsLCJCYWNrZ3JvdW5kRmlsbFR5cGUiOjAsIk1hcmdpbiI6eyIkcmVmIjoiMjEifSwiUGFkZGluZyI6eyIkcmVmIjoiMjIifSwiQmFja2dyb3VuZCI6eyIkcmVmIjoiMjMifSwiSXNWaXNpYmxlIjp0cnVlLCJXaWR0aCI6MC4wLCJIZWlnaHQiOjAuMCwiQm9yZGVyU3R5bGUiOnsiJGlkIjoiMzI3IiwiTGluZUNvbG9yIjpudWxsLCJMaW5lV2VpZ2h0IjowLjAsIkxpbmVUeXBlIjowLCJQYXJlbnRTdHlsZSI6bnVsbH0sIlBhcmVudFN0eWxlIjpudWxsfSwiSG9yaXpvbnRhbENvbm5lY3RvclN0eWxlIjp7IiRpZCI6IjMyOCIsIkxpbmVDb2xvciI6eyIkcmVmIjoiMjYifSwiTGluZVdlaWdodCI6MS4wLCJMaW5lVHlwZSI6MCwiUGFyZW50U3R5bGUiOm51bGx9LCJWZXJ0aWNhbENvbm5lY3RvclN0eWxlIjp7IiRpZCI6IjMyOSIsIkxpbmVDb2xvciI6eyIkcmVmIjoiMjkifSwiTGluZVdlaWdodCI6MC4wLCJMaW5lVHlwZSI6MCwiUGFyZW50U3R5bGUiOm51bGx9LCJNYXJnaW4iOm51bGwsIlN0YXJ0RGF0ZVBvc2l0aW9uIjozLCJFbmREYXRlUG9zaXRpb24iOjQsIkRhdGVJc1Zpc2libGUiOnRydWUsIlRpdGxlUG9zaXRpb24iOjIsIkR1cmF0aW9uUG9zaXRpb24iOjYsIlBlcmNlbnRhZ2VDb21wbGV0ZWRQb3NpdGlvbiI6NiwiU3BhY2luZyI6NSwiSXNCZWxvd1RpbWViYW5kIjp0cnVlLCJQZXJjZW50YWdlQ29tcGxldGVTaGFwZU9wYWNpdHkiOjM1LCJTaGFwZVN0eWxlIjp7IiRpZCI6IjMzMCIsIk1hcmdpbiI6eyIkcmVmIjoiMzIifSwiUGFkZGluZyI6eyIkcmVmIjoiMzMifSwiQmFja2dyb3VuZCI6eyIkaWQiOiIzMzEiLCJDb2xvciI6eyIkaWQiOiIzMzIiLCJBIjoyNTUsIlIiOjkxLCJHIjoxNTUsIkIiOjIxM319LCJJc1Zpc2libGUiOnRydWUsIldpZHRoIjowLjAsIkhlaWdodCI6MTYuMCwiQm9yZGVyU3R5bGUiOnsiJGlkIjoiMzMzIiwiTGluZUNvbG9yIjp7IiRyZWYiOiIzNyJ9LCJMaW5lV2VpZ2h0IjowLjAsIkxpbmVUeXBlIjowLCJQYXJlbnRTdHlsZSI6bnVsbH0sIlBhcmVudFN0eWxlIjpudWxsfSwiVGl0bGVTdHlsZSI6eyIkaWQiOiIzMzQiLCJGb250U2V0dGluZ3MiOnsiJGlkIjoiMzM1IiwiRm9udFNpemUiOjExLCJGb250TmFtZSI6IkNhbGlicmkiLCJJc0JvbGQiOnRydWUsIklzSXRhbGljIjpmYWxzZSwiSXNVbmRlcmxpbmVkIjpmYWxzZSwiUGFyZW50U3R5bGUiOm51bGx9LCJBdXRvU2l6ZSI6MCwiRm9yZWdyb3VuZCI6eyIkaWQiOiIzMzYiLCJDb2xvciI6eyIkaWQiOiIzMzciLCJBIjoyNTUsIlIiOjAsIkciOjAsIkIiOjB9fSwiTWF4V2lkdGgiOjcyMC4wLCJNYXhIZWlnaHQiOiJJbmZpbml0eSIsIlNtYXJ0Rm9yZWdyb3VuZElzQWN0aXZlIjpmYWxzZSwiSG9yaXpvbnRhbEFsaWdubWVudCI6MSwiVmVydGljYWxBbGlnbm1lbnQiOjAsIlNtYXJ0Rm9yZWdyb3VuZCI6bnVsbCwiQmFja2dyb3VuZEZpbGxUeXBlIjowLCJNYXJnaW4iOnsiJHJlZiI6IjQzIn0sIlBhZGRpbmciOnsiJHJlZiI6IjQ0In0sIkJhY2tncm91bmQiOnsiJGlkIjoiMzM4IiwiQ29sb3IiOnsiJGlkIjoiMzM5IiwiQSI6MCwiUiI6MjU1LCJHIjoyNTUsIkIiOjI1NX19LCJJc1Zpc2libGUiOnRydWUsIldpZHRoIjowLjAsIkhlaWdodCI6MC4wLCJCb3JkZXJTdHlsZSI6eyIkaWQiOiIzNDAiLCJMaW5lQ29sb3IiOm51bGwsIkxpbmVXZWlnaHQiOjAuMCwiTGluZVR5cGUiOjAsIlBhcmVudFN0eWxlIjpudWxsfSwiUGFyZW50U3R5bGUiOm51bGx9LCJEYXRlU3R5bGUiOnsiJGlkIjoiMzQxIiwiRm9udFNldHRpbmdzIjp7IiRpZCI6IjM0MiIsIkZvbnRTaXplIjoxMCwiRm9udE5hbWUiOiJDYWxpYnJpIiwiSXNCb2xkIjpmYWxzZSwiSXNJdGFsaWMiOmZhbHNlLCJJc1VuZGVybGluZWQiOmZhbHNlLCJQYXJlbnRTdHlsZSI6bnVsbH0sIkF1dG9TaXplIjowLCJGb3JlZ3JvdW5kIjp7IiRpZCI6IjM0MyIsIkNvbG9yIjp7IiRpZCI6IjM0NCIsIkEiOjI1NSwiUiI6NjgsIkciOjg0LCJCIjoxMDZ9fSwiTWF4V2lkdGgiOjIwMC4wLCJNYXhIZWlnaHQiOiJJbmZpbml0eSIsIlNtYXJ0Rm9yZWdyb3VuZElzQWN0aXZlIjpmYWxzZSwiSG9yaXpvbnRhbEFsaWdubWVudCI6MSwiVmVydGljYWxBbGlnbm1lbnQiOjAsIlNtYXJ0Rm9yZWdyb3VuZCI6bnVsbCwiQmFja2dyb3VuZEZpbGxUeXBlIjowLCJNYXJnaW4iOnsiJHJlZiI6IjUyIn0sIlBhZGRpbmciOnsiJHJlZiI6IjUzIn0sIkJhY2tncm91bmQiOnsiJGlkIjoiMzQ1IiwiQ29sb3IiOnsiJGlkIjoiMzQ2IiwiQSI6MCwiUiI6MjU1LCJHIjoyNTUsIkIiOjI1NX19LCJJc1Zpc2libGUiOnRydWUsIldpZHRoIjowLjAsIkhlaWdodCI6MC4wLCJCb3JkZXJTdHlsZSI6eyIkaWQiOiIzNDciLCJMaW5lQ29sb3IiOm51bGwsIkxpbmVXZWlnaHQiOjAuMCwiTGluZVR5cGUiOjAsIlBhcmVudFN0eWxlIjpudWxsfSwiUGFyZW50U3R5bGUiOm51bGx9LCJEYXRlRm9ybWF0Ijp7IiRyZWYiOiI1NyJ9LCJXZWVrTnVtYmVyaW5nIjp7IiRpZCI6IjM0OCIsIkZvcm1hdCI6MCwiSXNWaXNpYmxlIjpmYWxzZSwiTGFzdEtub3duVmlzaWJpbGl0eVN0YXRlIjpmYWxzZX0sIklzVmlzaWJsZSI6dHJ1ZSwiUGFyZW50U3R5bGUiOm51bGx9LCJJbmRleCI6OSwiU21hcnREdXJhdGlvbkFjdGl2YXRlZCI6ZmFsc2UsIkRhdGVGb3JtYXQiOnsiJHJlZiI6IjU3In0sIldlZWtOdW1iZXJpbmciOnsiJGlkIjoiMzQ5IiwiRm9ybWF0IjowLCJJc1Zpc2libGUiOmZhbHNlLCJMYXN0S25vd25WaXNpYmlsaXR5U3RhdGUiOmZhbHNlfSwiSWQiOiI4YjM4NDM3Yi05NmFlLTQ3YzItYTg5ZS0yZjlhNDExYzhjMjgiLCJJbXBvcnRJZCI6bnVsbCwiVGl0bGUiOiJVcGRhdGUgQ2FyIiwiTm90ZSI6bnVsbCwiSHlwZXJsaW5rIjp7IiRpZCI6IjM1MCIsIkFkZHJlc3MiOiIiLCJTdWJBZGRyZXNzIjoiIn0sIklzQ2hhbmdlZCI6ZmFsc2UsIklzTmV3IjpmYWxzZX19XSwiX21pbGVzdG9uZXMiOltdLCJJZCI6IjAwMDAwMDAwLTAwMDAtMDAwMC0wMDAwLTAwMDAwMDAwMDAwMCIsIklzU2luZ2xlSXRlbVJvdyI6dHJ1ZX1dLCJJbmRleCI6MywiSWQiOiJkYzA3NmZjZC1kMWJlLTQyMDctYjVmOS0zODE1YjM4Y2Q5MWUiLCJIZWFkZXJUZXh0IjpudWxsLCJJc0RlZmF1bHQiOnRydWUsIlN0eWxlIjp7IiRpZCI6IjM1MSIsIkhlYWRlclN0eWxlIjp7IiRpZCI6IjM1MiIsIlRleHRTdHlsZSI6eyIkaWQiOiIzNTMiLCJGb250U2V0dGluZ3MiOnsiJGlkIjoiMzU0IiwiRm9udFNpemUiOjExLCJGb250TmFtZSI6IkNhbGlicmkiLCJJc0JvbGQiOmZhbHNlLCJJc0l0YWxpYyI6ZmFsc2UsIklzVW5kZXJsaW5lZCI6ZmFsc2UsIlBhcmVudFN0eWxlIjpudWxsfSwiQXV0b1NpemUiOjIsIkZvcmVncm91bmQiOnsiJGlkIjoiMzU1IiwiQ29sb3IiOnsiJGlkIjoiMzU2IiwiQSI6MjU1LCJSIjowLCJHIjowLCJCIjowfX0sIk1heFdpZHRoIjowLjAsIk1heEhlaWdodCI6IkluZmluaXR5IiwiU21hcnRGb3JlZ3JvdW5kSXNBY3RpdmUiOmZhbHNlLCJIb3Jpem9udGFsQWxpZ25tZW50IjowLCJWZXJ0aWNhbEFsaWdubWVudCI6MCwiU21hcnRGb3JlZ3JvdW5kIjpudWxsLCJCYWNrZ3JvdW5kRmlsbFR5cGUiOjAsIk1hcmdpbiI6eyIkaWQiOiIzNTciLCJUb3AiOjAuMCwiTGVmdCI6MC4wLCJSaWdodCI6MC4wLCJCb3R0b20iOjAuMH0sIlBhZGRpbmciOnsiJGlkIjoiMzU4IiwiVG9wIjowLjAsIkxlZnQiOjAuMCwiUmlnaHQiOjAuMCwiQm90dG9tIjowLjB9LCJCYWNrZ3JvdW5kIjpudWxsLCJJc1Zpc2libGUiOnRydWUsIldpZHRoIjowLjAsIkhlaWdodCI6MC4wLCJCb3JkZXJTdHlsZSI6bnVsbCwiUGFyZW50U3R5bGUiOm51bGx9LCJSZWN0YW5nbGVTdHlsZSI6eyIkaWQiOiIzNTkiLCJNYXJnaW4iOnsiJGlkIjoiMzYwIiwiVG9wIjowLjAsIkxlZnQiOjAuMCwiUmlnaHQiOjAuMCwiQm90dG9tIjowLjB9LCJQYWRkaW5nIjp7IiRpZCI6IjM2MSIsIlRvcCI6MC4wLCJMZWZ0IjowLjAsIlJpZ2h0IjowLjAsIkJvdHRvbSI6MC4wfSwiQmFja2dyb3VuZCI6eyIkaWQiOiIzNjIiLCJDb2xvciI6eyIkaWQiOiIzNjMiLCJBIjo2MywiUiI6MjM3LCJHIjoxMjUsIkIiOjQ5fX0sIklzVmlzaWJsZSI6dHJ1ZSwiV2lkdGgiOjAuMCwiSGVpZ2h0IjowLjAsIkJvcmRlclN0eWxlIjp7IiRpZCI6IjM2NCIsIkxpbmVDb2xvciI6eyIkaWQiOiIzNjUiLCIkdHlwZSI6Ik5MUkUuQ29tbW9uLkRvbS5Tb2xpZENvbG9yQnJ1c2gsIE5MUkUuQ29tbW9uIiwiQ29sb3IiOnsiJGlkIjoiMzY2IiwiQSI6MjU1LCJSIjoyNTUsIkciOjAsIkIiOjB9fSwiTGluZVdlaWdodCI6MC4wLCJMaW5lVHlwZSI6MCwiUGFyZW50U3R5bGUiOm51bGx9LCJQYXJlbnRTdHlsZSI6bnVsbH0sIk1hcmdpbiI6eyIkaWQiOiIzNjciLCJUb3AiOjAuMCwiTGVmdCI6MC4wLCJSaWdodCI6MC4wLCJCb3R0b20iOjAuMH0sIlBhZGRpbmciOnsiJGlkIjoiMzY4IiwiVG9wIjowLjAsIkxlZnQiOjAuMCwiUmlnaHQiOjAuMCwiQm90dG9tIjowLjB9LCJCYWNrZ3JvdW5kIjpudWxsLCJJc1Zpc2libGUiOnRydWUsIldpZHRoIjowLjAsIkhlaWdodCI6MC4wLCJCb3JkZXJTdHlsZSI6bnVsbCwiUGFyZW50U3R5bGUiOm51bGx9LCJCYWNrZ3JvdW5kU3R5bGUiOnsiJGlkIjoiMzY5IiwiTWFyZ2luIjp7IiRpZCI6IjM3MCIsIlRvcCI6MC4wLCJMZWZ0IjowLjAsIlJpZ2h0IjowLjAsIkJvdHRvbSI6MC4wfSwiUGFkZGluZyI6eyIkaWQiOiIzNzEiLCJUb3AiOjAuMCwiTGVmdCI6MC4wLCJSaWdodCI6MC4wLCJCb3R0b20iOjAuMH0sIkJhY2tncm91bmQiOnsiJGlkIjoiMzcyIiwiQ29sb3IiOnsiJGlkIjoiMzczIiwiQSI6NTEsIlIiOjE2NSwiRyI6MTY1LCJCIjoxNjV9fSwiSXNWaXNpYmxlIjp0cnVlLCJXaWR0aCI6MC4wLCJIZWlnaHQiOjAuMCwiQm9yZGVyU3R5bGUiOnsiJGlkIjoiMzc0IiwiTGluZUNvbG9yIjp7IiRpZCI6IjM3NSIsIiR0eXBlIjoiTkxSRS5Db21tb24uRG9tLlNvbGlkQ29sb3JCcnVzaCwgTkxSRS5Db21tb24iLCJDb2xvciI6eyIkaWQiOiIzNzYiLCJBIjoyNTUsIlIiOjI1NSwiRyI6MCwiQiI6MH19LCJMaW5lV2VpZ2h0IjowLjAsIkxpbmVUeXBlIjowLCJQYXJlbnRTdHlsZSI6bnVsbH0sIlBhcmVudFN0eWxlIjpudWxsfSwiTWFyZ2luIjp7IiRpZCI6IjM3NyIsIlRvcCI6MC4wLCJMZWZ0IjowLjAsIlJpZ2h0IjowLjAsIkJvdHRvbSI6MC4wfSwiUGFkZGluZyI6eyIkaWQiOiIzNzgiLCJUb3AiOjAuMCwiTGVmdCI6MC4wLCJSaWdodCI6MC4wLCJCb3R0b20iOjAuMH0sIklzVmlzaWJsZSI6ZmFsc2UsIldpZHRoIjowLjAsIkhlaWdodCI6MC4wLCJCb3JkZXJTdHlsZSI6bnVsbCwiUGFyZW50U3R5bGUiOm51bGx9fV0sIklkIjoiZTIwYWM2YzMtY2EwZi00NWRkLWJiNDktNWIxOGFiYTE4YTNkIiwiSW5kZXgiOjMsIkhlYWRlclRleHQiOiJBZG1pbiBGZWF0dXJlcyIsIlN0eWxlIjp7IiRpZCI6IjM3OSIsIkhlYWRlclN0eWxlIjp7IiRpZCI6IjM4MCIsIlRleHRJc1ZlcnRpY2FsIjpmYWxzZSwiVGV4dFN0eWxlIjp7IiRpZCI6IjM4MSIsIkZvbnRTZXR0aW5ncyI6eyIkaWQiOiIzODIiLCJGb250U2l6ZSI6MTIsIkZvbnROYW1lIjoiQ2FsaWJyaSIsIklzQm9sZCI6ZmFsc2UsIklzSXRhbGljIjpmYWxzZSwiSXNVbmRlcmxpbmVkIjpmYWxzZSwiUGFyZW50U3R5bGUiOm51bGx9LCJBdXRvU2l6ZSI6MiwiRm9yZWdyb3VuZCI6eyIkcmVmIjoiMTI2In0sIk1heFdpZHRoIjoxNjAuMCwiTWF4SGVpZ2h0IjoiSW5maW5pdHkiLCJTbWFydEZvcmVncm91bmRJc0FjdGl2ZSI6ZmFsc2UsIkhvcml6b250YWxBbGlnbm1lbnQiOjAsIlZlcnRpY2FsQWxpZ25tZW50IjowLCJTbWFydEZvcmVncm91bmQiOm51bGwsIkJhY2tncm91bmRGaWxsVHlwZSI6MCwiTWFyZ2luIjp7IiRyZWYiOiIxMjgifSwiUGFkZGluZyI6eyIkcmVmIjoiMTI5In0sIkJhY2tncm91bmQiOm51bGwsIklzVmlzaWJsZSI6dHJ1ZSwiV2lkdGgiOjAuMCwiSGVpZ2h0IjowLjAsIkJvcmRlclN0eWxlIjpudWxsLCJQYXJlbnRTdHlsZSI6bnVsbH0sIlJlY3RhbmdsZVN0eWxlIjp7IiRpZCI6IjM4MyIsIk1hcmdpbiI6eyIkaWQiOiIzODQiLCJUb3AiOjAuMCwiTGVmdCI6MC4wLCJSaWdodCI6MC4wLCJCb3R0b20iOjAuMH0sIlBhZGRpbmciOnsiJGlkIjoiMzg1IiwiVG9wIjowLjAsIkxlZnQiOjAuMCwiUmlnaHQiOjAuMCwiQm90dG9tIjowLjB9LCJCYWNrZ3JvdW5kIjp7IiRpZCI6IjM4NiIsIkNvbG9yIjp7IiRpZCI6IjM4NyIsIkEiOjI1NSwiUiI6MjM3LCJHIjoxMjUsIkIiOjQ5fX0sIklzVmlzaWJsZSI6dHJ1ZSwiV2lkdGgiOjAuMCwiSGVpZ2h0IjowLjAsIkJvcmRlclN0eWxlIjp7IiRpZCI6IjM4OCIsIkxpbmVDb2xvciI6eyIkaWQiOiIzODkiLCIkdHlwZSI6Ik5MUkUuQ29tbW9uLkRvbS5Tb2xpZENvbG9yQnJ1c2gsIE5MUkUuQ29tbW9uIiwiQ29sb3IiOnsiJGlkIjoiMzkwIiwiQSI6MjU1LCJSIjoyNTUsIkciOjAsIkIiOjB9fSwiTGluZVdlaWdodCI6MC4wLCJMaW5lVHlwZSI6MCwiUGFyZW50U3R5bGUiOm51bGx9LCJQYXJlbnRTdHlsZSI6bnVsbH0sIk1hcmdpbiI6eyIkaWQiOiIzOTEiLCJUb3AiOjAuMCwiTGVmdCI6MC4wLCJSaWdodCI6MC4wLCJCb3R0b20iOjAuMH0sIlBhZGRpbmciOnsiJGlkIjoiMzkyIiwiVG9wIjowLjAsIkxlZnQiOjAuMCwiUmlnaHQiOjAuMCwiQm90dG9tIjowLjB9LCJCYWNrZ3JvdW5kIjpudWxsLCJJc1Zpc2libGUiOnRydWUsIldpZHRoIjowLjAsIkhlaWdodCI6MC4wLCJCb3JkZXJTdHlsZSI6bnVsbCwiUGFyZW50U3R5bGUiOm51bGx9LCJCYWNrZ3JvdW5kU3R5bGUiOnsiJGlkIjoiMzkzIiwiTWFyZ2luIjp7IiRpZCI6IjM5NCIsIlRvcCI6MC4wLCJMZWZ0IjowLjAsIlJpZ2h0IjowLjAsIkJvdHRvbSI6MC4wfSwiUGFkZGluZyI6eyIkaWQiOiIzOTUiLCJUb3AiOjAuMCwiTGVmdCI6MC4wLCJSaWdodCI6MC4wLCJCb3R0b20iOjAuMH0sIkJhY2tncm91bmQiOnsiJGlkIjoiMzk2IiwiQ29sb3IiOnsiJGlkIjoiMzk3IiwiQSI6NTEsIlIiOjE2NSwiRyI6MTY1LCJCIjoxNjV9fSwiSXNWaXNpYmxlIjp0cnVlLCJXaWR0aCI6MC4wLCJIZWlnaHQiOjAuMCwiQm9yZGVyU3R5bGUiOnsiJGlkIjoiMzk4IiwiTGluZUNvbG9yIjp7IiRpZCI6IjM5OSIsIiR0eXBlIjoiTkxSRS5Db21tb24uRG9tLlNvbGlkQ29sb3JCcnVzaCwgTkxSRS5Db21tb24iLCJDb2xvciI6eyIkaWQiOiI0MDAiLCJBIjoyNTUsIlIiOjI1NSwiRyI6MCwiQiI6MH19LCJMaW5lV2VpZ2h0IjowLjAsIkxpbmVUeXBlIjowLCJQYXJlbnRTdHlsZSI6bnVsbH0sIlBhcmVudFN0eWxlIjpudWxsfSwiSXNBYm92ZVRpbWViYW5kIjpmYWxzZSwiTWFyZ2luIjp7IiRpZCI6IjQwMSIsIlRvcCI6MC4wLCJMZWZ0IjowLjAsIlJpZ2h0IjowLjAsIkJvdHRvbSI6MC4wfSwiUGFkZGluZyI6eyIkaWQiOiI0MDIiLCJUb3AiOjAuMCwiTGVmdCI6MC4wLCJSaWdodCI6MC4wLCJCb3R0b20iOjAuMH0sIklzVmlzaWJsZSI6dHJ1ZSwiV2lkdGgiOjAuMCwiSGVpZ2h0IjowLjAsIkJvcmRlclN0eWxlIjp7IiRpZCI6IjQwMyIsIkxpbmVDb2xvciI6bnVsbCwiTGluZVdlaWdodCI6MC4wLCJMaW5lVHlwZSI6MCwiUGFyZW50U3R5bGUiOm51bGx9LCJQYXJlbnRTdHlsZSI6bnVsbH19LHsiJGlkIjoiNDA0IiwiX2FjdGl2aXRpZXMiOlt7IiRpZCI6IjQwNSIsIl9yb3dzIjpbeyIkaWQiOiI0MDYiLCJfdGFza3MiOlt7IiRpZCI6IjQwNyIsIl9hdHRhY2hlZE1pbGVzdG9uZXMiOltdLCJUYXNrRGVmaW5pdGlvbiI6eyIkaWQiOiI0MDgiLCJHcm91cE5hbWUiOm51bGwsIlN0YXJ0RGF0ZSI6IjIwMjItMDUtMDZUMDA6MDA6MDBaIiwiRW5kRGF0ZSI6IjIwMjItMDUtMDhUMjM6NTk6MDBaIiwiUGVyY2VudGFnZUNvbXBsZXRlIjpudWxsLCJTdHlsZSI6eyIkaWQiOiI0MDkiLCJTaGFwZSI6MiwiU2hhcGVUaGlja25lc3MiOjEsIkR1cmF0aW9uRm9ybWF0IjowLCJJbmNsdWRlTm9uV29ya2luZ0RheXNJbkR1cmF0aW9uIjpmYWxzZSwiUGVyY2VudGFnZUNvbXBsZXRlU3R5bGUiOnsiJGlkIjoiNDEwIiwiRm9udFNldHRpbmdzIjp7IiRpZCI6IjQxMSIsIkZvbnRTaXplIjoxMCwiRm9udE5hbWUiOiJDYWxpYnJpIiwiSXNCb2xkIjpmYWxzZSwiSXNJdGFsaWMiOmZhbHNlLCJJc1VuZGVybGluZWQiOmZhbHNlLCJQYXJlbnRTdHlsZSI6bnVsbH0sIkF1dG9TaXplIjowLCJGb3JlZ3JvdW5kIjp7IiRyZWYiOiIxMCJ9LCJNYXhXaWR0aCI6MjAwLjAsIk1heEhlaWdodCI6IkluZmluaXR5IiwiU21hcnRGb3JlZ3JvdW5kSXNBY3RpdmUiOmZhbHNlLCJIb3Jpem9udGFsQWxpZ25tZW50IjowLCJWZXJ0aWNhbEFsaWdubWVudCI6MCwiU21hcnRGb3JlZ3JvdW5kIjpudWxsLCJCYWNrZ3JvdW5kRmlsbFR5cGUiOjAsIk1hcmdpbiI6eyIkcmVmIjoiMTIifSwiUGFkZGluZyI6eyIkcmVmIjoiMTMifSwiQmFja2dyb3VuZCI6eyIkcmVmIjoiMTQifSwiSXNWaXNpYmxlIjp0cnVlLCJXaWR0aCI6MC4wLCJIZWlnaHQiOjAuMCwiQm9yZGVyU3R5bGUiOnsiJGlkIjoiNDEyIiwiTGluZUNvbG9yIjpudWxsLCJMaW5lV2VpZ2h0IjowLjAsIkxpbmVUeXBlIjowLCJQYXJlbnRTdHlsZSI6bnVsbH0sIlBhcmVudFN0eWxlIjpudWxsfSwiRHVyYXRpb25TdHlsZSI6eyIkaWQiOiI0MTMiLCJGb250U2V0dGluZ3MiOnsiJGlkIjoiNDE0IiwiRm9udFNpemUiOjEwLCJGb250TmFtZSI6IkNhbGlicmkiLCJJc0JvbGQiOmZhbHNlLCJJc0l0YWxpYyI6ZmFsc2UsIklzVW5kZXJsaW5lZCI6ZmFsc2UsIlBhcmVudFN0eWxlIjpudWxsfSwiQXV0b1NpemUiOjAsIkZvcmVncm91bmQiOnsiJHJlZiI6IjE5In0sIk1heFdpZHRoIjoyMDAuMCwiTWF4SGVpZ2h0IjoiSW5maW5pdHkiLCJTbWFydEZvcmVncm91bmRJc0FjdGl2ZSI6ZmFsc2UsIkhvcml6b250YWxBbGlnbm1lbnQiOjAsIlZlcnRpY2FsQWxpZ25tZW50IjowLCJTbWFydEZvcmVncm91bmQiOm51bGwsIkJhY2tncm91bmRGaWxsVHlwZSI6MCwiTWFyZ2luIjp7IiRyZWYiOiIyMSJ9LCJQYWRkaW5nIjp7IiRyZWYiOiIyMiJ9LCJCYWNrZ3JvdW5kIjp7IiRyZWYiOiIyMyJ9LCJJc1Zpc2libGUiOnRydWUsIldpZHRoIjowLjAsIkhlaWdodCI6MC4wLCJCb3JkZXJTdHlsZSI6eyIkaWQiOiI0MTUiLCJMaW5lQ29sb3IiOm51bGwsIkxpbmVXZWlnaHQiOjAuMCwiTGluZVR5cGUiOjAsIlBhcmVudFN0eWxlIjpudWxsfSwiUGFyZW50U3R5bGUiOm51bGx9LCJIb3Jpem9udGFsQ29ubmVjdG9yU3R5bGUiOnsiJGlkIjoiNDE2IiwiTGluZUNvbG9yIjp7IiRyZWYiOiIyNiJ9LCJMaW5lV2VpZ2h0IjoxLjAsIkxpbmVUeXBlIjowLCJQYXJlbnRTdHlsZSI6bnVsbH0sIlZlcnRpY2FsQ29ubmVjdG9yU3R5bGUiOnsiJGlkIjoiNDE3IiwiTGluZUNvbG9yIjp7IiRyZWYiOiIyOSJ9LCJMaW5lV2VpZ2h0IjowLjAsIkxpbmVUeXBlIjowLCJQYXJlbnRTdHlsZSI6bnVsbH0sIk1hcmdpbiI6bnVsbCwiU3RhcnREYXRlUG9zaXRpb24iOjMsIkVuZERhdGVQb3NpdGlvbiI6NCwiRGF0ZUlzVmlzaWJsZSI6dHJ1ZSwiVGl0bGVQb3NpdGlvbiI6MiwiRHVyYXRpb25Qb3NpdGlvbiI6NiwiUGVyY2VudGFnZUNvbXBsZXRlZFBvc2l0aW9uIjo2LCJTcGFjaW5nIjo1LCJJc0JlbG93VGltZWJhbmQiOnRydWUsIlBlcmNlbnRhZ2VDb21wbGV0ZVNoYXBlT3BhY2l0eSI6MzUsIlNoYXBlU3R5bGUiOnsiJGlkIjoiNDE4IiwiTWFyZ2luIjp7IiRyZWYiOiIzMiJ9LCJQYWRkaW5nIjp7IiRyZWYiOiIzMyJ9LCJCYWNrZ3JvdW5kIjp7IiRpZCI6IjQxOSIsIkNvbG9yIjp7IiRpZCI6IjQyMCIsIkEiOjI1NSwiUiI6OTEsIkciOjE1NSwiQiI6MjEzfX0sIklzVmlzaWJsZSI6dHJ1ZSwiV2lkdGgiOjAuMCwiSGVpZ2h0IjoxNi4wLCJCb3JkZXJTdHlsZSI6eyIkaWQiOiI0MjEiLCJMaW5lQ29sb3IiOnsiJHJlZiI6IjM3In0sIkxpbmVXZWlnaHQiOjAuMCwiTGluZVR5cGUiOjAsIlBhcmVudFN0eWxlIjpudWxsfSwiUGFyZW50U3R5bGUiOm51bGx9LCJUaXRsZVN0eWxlIjp7IiRpZCI6IjQyMiIsIkZvbnRTZXR0aW5ncyI6eyIkaWQiOiI0MjMiLCJGb250U2l6ZSI6MTEsIkZvbnROYW1lIjoiQ2FsaWJyaSIsIklzQm9sZCI6dHJ1ZSwiSXNJdGFsaWMiOmZhbHNlLCJJc1VuZGVybGluZWQiOmZhbHNlLCJQYXJlbnRTdHlsZSI6bnVsbH0sIkF1dG9TaXplIjowLCJGb3JlZ3JvdW5kIjp7IiRpZCI6IjQyNCIsIkNvbG9yIjp7IiRpZCI6IjQyNSIsIkEiOjI1NSwiUiI6MCwiRyI6MCwiQiI6MH19LCJNYXhXaWR0aCI6NzIwLjAsIk1heEhlaWdodCI6IkluZmluaXR5IiwiU21hcnRGb3JlZ3JvdW5kSXNBY3RpdmUiOmZhbHNlLCJIb3Jpem9udGFsQWxpZ25tZW50IjoxLCJWZXJ0aWNhbEFsaWdubWVudCI6MCwiU21hcnRGb3JlZ3JvdW5kIjpudWxsLCJCYWNrZ3JvdW5kRmlsbFR5cGUiOjAsIk1hcmdpbiI6eyIkcmVmIjoiNDMifSwiUGFkZGluZyI6eyIkcmVmIjoiNDQifSwiQmFja2dyb3VuZCI6eyIkaWQiOiI0MjYiLCJDb2xvciI6eyIkaWQiOiI0MjciLCJBIjowLCJSIjoyNTUsIkciOjI1NSwiQiI6MjU1fX0sIklzVmlzaWJsZSI6dHJ1ZSwiV2lkdGgiOjAuMCwiSGVpZ2h0IjowLjAsIkJvcmRlclN0eWxlIjp7IiRpZCI6IjQyOCIsIkxpbmVDb2xvciI6bnVsbCwiTGluZVdlaWdodCI6MC4wLCJMaW5lVHlwZSI6MCwiUGFyZW50U3R5bGUiOm51bGx9LCJQYXJlbnRTdHlsZSI6bnVsbH0sIkRhdGVTdHlsZSI6eyIkaWQiOiI0MjkiLCJGb250U2V0dGluZ3MiOnsiJGlkIjoiNDMwIiwiRm9udFNpemUiOjEwLCJGb250TmFtZSI6IkNhbGlicmkiLCJJc0JvbGQiOmZhbHNlLCJJc0l0YWxpYyI6ZmFsc2UsIklzVW5kZXJsaW5lZCI6ZmFsc2UsIlBhcmVudFN0eWxlIjpudWxsfSwiQXV0b1NpemUiOjAsIkZvcmVncm91bmQiOnsiJGlkIjoiNDMxIiwiQ29sb3IiOnsiJGlkIjoiNDMyIiwiQSI6MjU1LCJSIjo2OCwiRyI6ODQsIkIiOjEwNn19LCJNYXhXaWR0aCI6MjAwLjAsIk1heEhlaWdodCI6IkluZmluaXR5IiwiU21hcnRGb3JlZ3JvdW5kSXNBY3RpdmUiOmZhbHNlLCJIb3Jpem9udGFsQWxpZ25tZW50IjoxLCJWZXJ0aWNhbEFsaWdubWVudCI6MCwiU21hcnRGb3JlZ3JvdW5kIjpudWxsLCJCYWNrZ3JvdW5kRmlsbFR5cGUiOjAsIk1hcmdpbiI6eyIkcmVmIjoiNTIifSwiUGFkZGluZyI6eyIkcmVmIjoiNTMifSwiQmFja2dyb3VuZCI6eyIkaWQiOiI0MzMiLCJDb2xvciI6eyIkaWQiOiI0MzQiLCJBIjowLCJSIjoyNTUsIkciOjI1NSwiQiI6MjU1fX0sIklzVmlzaWJsZSI6dHJ1ZSwiV2lkdGgiOjAuMCwiSGVpZ2h0IjowLjAsIkJvcmRlclN0eWxlIjp7IiRpZCI6IjQzNSIsIkxpbmVDb2xvciI6bnVsbCwiTGluZVdlaWdodCI6MC4wLCJMaW5lVHlwZSI6MCwiUGFyZW50U3R5bGUiOm51bGx9LCJQYXJlbnRTdHlsZSI6bnVsbH0sIkRhdGVGb3JtYXQiOnsiJHJlZiI6IjU3In0sIldlZWtOdW1iZXJpbmciOnsiJGlkIjoiNDM2IiwiRm9ybWF0IjowLCJJc1Zpc2libGUiOmZhbHNlLCJMYXN0S25vd25WaXNpYmlsaXR5U3RhdGUiOmZhbHNlfSwiSXNWaXNpYmxlIjp0cnVlLCJQYXJlbnRTdHlsZSI6bnVsbH0sIkluZGV4IjoxMSwiU21hcnREdXJhdGlvbkFjdGl2YXRlZCI6ZmFsc2UsIkRhdGVGb3JtYXQiOnsiJHJlZiI6IjU3In0sIldlZWtOdW1iZXJpbmciOnsiJGlkIjoiNDM3IiwiRm9ybWF0IjowLCJJc1Zpc2libGUiOmZhbHNlLCJMYXN0S25vd25WaXNpYmlsaXR5U3RhdGUiOmZhbHNlfSwiSWQiOiI0OTFhNWQ3Yy1kMmM5LTQyMmYtOWZhMy1jNmEzYjY2ZmEwZGIiLCJJbXBvcnRJZCI6bnVsbCwiVGl0bGUiOiJVc2VyIEhvbWUgUGFnZSIsIk5vdGUiOm51bGwsIkh5cGVybGluayI6eyIkaWQiOiI0MzgiLCJBZGRyZXNzIjoiIiwiU3ViQWRkcmVzcyI6IiJ9LCJJc0NoYW5nZWQiOmZhbHNlLCJJc05ldyI6ZmFsc2V9fV0sIl9taWxlc3RvbmVzIjpbXSwiSWQiOiIwMDAwMDAwMC0wMDAwLTAwMDAtMDAwMC0wMDAwMDAwMDAwMDAiLCJJc1NpbmdsZUl0ZW1Sb3ciOnRydWV9LHsiJGlkIjoiNDM5IiwiX3Rhc2tzIjpbeyIkaWQiOiI0NDAiLCJfYXR0YWNoZWRNaWxlc3RvbmVzIjpbXSwiVGFza0RlZmluaXRpb24iOnsiJGlkIjoiNDQxIiwiR3JvdXBOYW1lIjpudWxsLCJTdGFydERhdGUiOiIyMDIyLTA1LTA5VDAwOjAwOjAwWiIsIkVuZERhdGUiOiIyMDIyLTA1LTEzVDIzOjU5OjAwWiIsIlBlcmNlbnRhZ2VDb21wbGV0ZSI6bnVsbCwiU3R5bGUiOnsiJGlkIjoiNDQyIiwiU2hhcGUiOjIsIlNoYXBlVGhpY2tuZXNzIjoxLCJEdXJhdGlvbkZvcm1hdCI6MCwiSW5jbHVkZU5vbldvcmtpbmdEYXlzSW5EdXJhdGlvbiI6ZmFsc2UsIlBlcmNlbnRhZ2VDb21wbGV0ZVN0eWxlIjp7IiRpZCI6IjQ0MyIsIkZvbnRTZXR0aW5ncyI6eyIkaWQiOiI0NDQiLCJGb250U2l6ZSI6MTAsIkZvbnROYW1lIjoiQ2FsaWJyaSIsIklzQm9sZCI6ZmFsc2UsIklzSXRhbGljIjpmYWxzZSwiSXNVbmRlcmxpbmVkIjpmYWxzZSwiUGFyZW50U3R5bGUiOm51bGx9LCJBdXRvU2l6ZSI6MCwiRm9yZWdyb3VuZCI6eyIkcmVmIjoiMTAifSwiTWF4V2lkdGgiOjIwMC4wLCJNYXhIZWlnaHQiOiJJbmZpbml0eSIsIlNtYXJ0Rm9yZWdyb3VuZElzQWN0aXZlIjpmYWxzZSwiSG9yaXpvbnRhbEFsaWdubWVudCI6MCwiVmVydGljYWxBbGlnbm1lbnQiOjAsIlNtYXJ0Rm9yZWdyb3VuZCI6bnVsbCwiQmFja2dyb3VuZEZpbGxUeXBlIjowLCJNYXJnaW4iOnsiJHJlZiI6IjEyIn0sIlBhZGRpbmciOnsiJHJlZiI6IjEzIn0sIkJhY2tncm91bmQiOnsiJHJlZiI6IjE0In0sIklzVmlzaWJsZSI6dHJ1ZSwiV2lkdGgiOjAuMCwiSGVpZ2h0IjowLjAsIkJvcmRlclN0eWxlIjp7IiRpZCI6IjQ0NSIsIkxpbmVDb2xvciI6bnVsbCwiTGluZVdlaWdodCI6MC4wLCJMaW5lVHlwZSI6MCwiUGFyZW50U3R5bGUiOm51bGx9LCJQYXJlbnRTdHlsZSI6bnVsbH0sIkR1cmF0aW9uU3R5bGUiOnsiJGlkIjoiNDQ2IiwiRm9udFNldHRpbmdzIjp7IiRpZCI6IjQ0NyIsIkZvbnRTaXplIjoxMCwiRm9udE5hbWUiOiJDYWxpYnJpIiwiSXNCb2xkIjpmYWxzZSwiSXNJdGFsaWMiOmZhbHNlLCJJc1VuZGVybGluZWQiOmZhbHNlLCJQYXJlbnRTdHlsZSI6bnVsbH0sIkF1dG9TaXplIjowLCJGb3JlZ3JvdW5kIjp7IiRyZWYiOiIxOSJ9LCJNYXhXaWR0aCI6MjAwLjAsIk1heEhlaWdodCI6IkluZmluaXR5IiwiU21hcnRGb3JlZ3JvdW5kSXNBY3RpdmUiOmZhbHNlLCJIb3Jpem9udGFsQWxpZ25tZW50IjowLCJWZXJ0aWNhbEFsaWdubWVudCI6MCwiU21hcnRGb3JlZ3JvdW5kIjpudWxsLCJCYWNrZ3JvdW5kRmlsbFR5cGUiOjAsIk1hcmdpbiI6eyIkcmVmIjoiMjEifSwiUGFkZGluZyI6eyIkcmVmIjoiMjIifSwiQmFja2dyb3VuZCI6eyIkcmVmIjoiMjMifSwiSXNWaXNpYmxlIjp0cnVlLCJXaWR0aCI6MC4wLCJIZWlnaHQiOjAuMCwiQm9yZGVyU3R5bGUiOnsiJGlkIjoiNDQ4IiwiTGluZUNvbG9yIjpudWxsLCJMaW5lV2VpZ2h0IjowLjAsIkxpbmVUeXBlIjowLCJQYXJlbnRTdHlsZSI6bnVsbH0sIlBhcmVudFN0eWxlIjpudWxsfSwiSG9yaXpvbnRhbENvbm5lY3RvclN0eWxlIjp7IiRpZCI6IjQ0OSIsIkxpbmVDb2xvciI6eyIkcmVmIjoiMjYifSwiTGluZVdlaWdodCI6MS4wLCJMaW5lVHlwZSI6MCwiUGFyZW50U3R5bGUiOm51bGx9LCJWZXJ0aWNhbENvbm5lY3RvclN0eWxlIjp7IiRpZCI6IjQ1MCIsIkxpbmVDb2xvciI6eyIkcmVmIjoiMjkifSwiTGluZVdlaWdodCI6MC4wLCJMaW5lVHlwZSI6MCwiUGFyZW50U3R5bGUiOm51bGx9LCJNYXJnaW4iOm51bGwsIlN0YXJ0RGF0ZVBvc2l0aW9uIjozLCJFbmREYXRlUG9zaXRpb24iOjQsIkRhdGVJc1Zpc2libGUiOnRydWUsIlRpdGxlUG9zaXRpb24iOjIsIkR1cmF0aW9uUG9zaXRpb24iOjYsIlBlcmNlbnRhZ2VDb21wbGV0ZWRQb3NpdGlvbiI6NiwiU3BhY2luZyI6NSwiSXNCZWxvd1RpbWViYW5kIjp0cnVlLCJQZXJjZW50YWdlQ29tcGxldGVTaGFwZU9wYWNpdHkiOjM1LCJTaGFwZVN0eWxlIjp7IiRpZCI6IjQ1MSIsIk1hcmdpbiI6eyIkcmVmIjoiMzIifSwiUGFkZGluZyI6eyIkcmVmIjoiMzMifSwiQmFja2dyb3VuZCI6eyIkaWQiOiI0NTIiLCJDb2xvciI6eyIkaWQiOiI0NTMiLCJBIjoyNTUsIlIiOjkxLCJHIjoxNTUsIkIiOjIxM319LCJJc1Zpc2libGUiOnRydWUsIldpZHRoIjowLjAsIkhlaWdodCI6MTYuMCwiQm9yZGVyU3R5bGUiOnsiJGlkIjoiNDU0IiwiTGluZUNvbG9yIjp7IiRyZWYiOiIzNyJ9LCJMaW5lV2VpZ2h0IjowLjAsIkxpbmVUeXBlIjowLCJQYXJlbnRTdHlsZSI6bnVsbH0sIlBhcmVudFN0eWxlIjpudWxsfSwiVGl0bGVTdHlsZSI6eyIkaWQiOiI0NTUiLCJGb250U2V0dGluZ3MiOnsiJGlkIjoiNDU2IiwiRm9udFNpemUiOjExLCJGb250TmFtZSI6IkNhbGlicmkiLCJJc0JvbGQiOnRydWUsIklzSXRhbGljIjpmYWxzZSwiSXNVbmRlcmxpbmVkIjpmYWxzZSwiUGFyZW50U3R5bGUiOm51bGx9LCJBdXRvU2l6ZSI6MCwiRm9yZWdyb3VuZCI6eyIkaWQiOiI0NTciLCJDb2xvciI6eyIkaWQiOiI0NTgiLCJBIjoyNTUsIlIiOjAsIkciOjAsIkIiOjB9fSwiTWF4V2lkdGgiOjcyMC4wLCJNYXhIZWlnaHQiOiJJbmZpbml0eSIsIlNtYXJ0Rm9yZWdyb3VuZElzQWN0aXZlIjpmYWxzZSwiSG9yaXpvbnRhbEFsaWdubWVudCI6MSwiVmVydGljYWxBbGlnbm1lbnQiOjAsIlNtYXJ0Rm9yZWdyb3VuZCI6bnVsbCwiQmFja2dyb3VuZEZpbGxUeXBlIjowLCJNYXJnaW4iOnsiJHJlZiI6IjQzIn0sIlBhZGRpbmciOnsiJHJlZiI6IjQ0In0sIkJhY2tncm91bmQiOnsiJGlkIjoiNDU5IiwiQ29sb3IiOnsiJGlkIjoiNDYwIiwiQSI6MCwiUiI6MjU1LCJHIjoyNTUsIkIiOjI1NX19LCJJc1Zpc2libGUiOnRydWUsIldpZHRoIjowLjAsIkhlaWdodCI6MC4wLCJCb3JkZXJTdHlsZSI6eyIkaWQiOiI0NjEiLCJMaW5lQ29sb3IiOm51bGwsIkxpbmVXZWlnaHQiOjAuMCwiTGluZVR5cGUiOjAsIlBhcmVudFN0eWxlIjpudWxsfSwiUGFyZW50U3R5bGUiOm51bGx9LCJEYXRlU3R5bGUiOnsiJGlkIjoiNDYyIiwiRm9udFNldHRpbmdzIjp7IiRpZCI6IjQ2MyIsIkZvbnRTaXplIjoxMCwiRm9udE5hbWUiOiJDYWxpYnJpIiwiSXNCb2xkIjpmYWxzZSwiSXNJdGFsaWMiOmZhbHNlLCJJc1VuZGVybGluZWQiOmZhbHNlLCJQYXJlbnRTdHlsZSI6bnVsbH0sIkF1dG9TaXplIjowLCJGb3JlZ3JvdW5kIjp7IiRpZCI6IjQ2NCIsIkNvbG9yIjp7IiRpZCI6IjQ2NSIsIkEiOjI1NSwiUiI6NjgsIkciOjg0LCJCIjoxMDZ9fSwiTWF4V2lkdGgiOjIwMC4wLCJNYXhIZWlnaHQiOiJJbmZpbml0eSIsIlNtYXJ0Rm9yZWdyb3VuZElzQWN0aXZlIjpmYWxzZSwiSG9yaXpvbnRhbEFsaWdubWVudCI6MSwiVmVydGljYWxBbGlnbm1lbnQiOjAsIlNtYXJ0Rm9yZWdyb3VuZCI6bnVsbCwiQmFja2dyb3VuZEZpbGxUeXBlIjowLCJNYXJnaW4iOnsiJHJlZiI6IjUyIn0sIlBhZGRpbmciOnsiJHJlZiI6IjUzIn0sIkJhY2tncm91bmQiOnsiJGlkIjoiNDY2IiwiQ29sb3IiOnsiJGlkIjoiNDY3IiwiQSI6MCwiUiI6MjU1LCJHIjoyNTUsIkIiOjI1NX19LCJJc1Zpc2libGUiOnRydWUsIldpZHRoIjowLjAsIkhlaWdodCI6MC4wLCJCb3JkZXJTdHlsZSI6eyIkaWQiOiI0NjgiLCJMaW5lQ29sb3IiOm51bGwsIkxpbmVXZWlnaHQiOjAuMCwiTGluZVR5cGUiOjAsIlBhcmVudFN0eWxlIjpudWxsfSwiUGFyZW50U3R5bGUiOm51bGx9LCJEYXRlRm9ybWF0Ijp7IiRyZWYiOiI1NyJ9LCJXZWVrTnVtYmVyaW5nIjp7IiRpZCI6IjQ2OSIsIkZvcm1hdCI6MCwiSXNWaXNpYmxlIjpmYWxzZSwiTGFzdEtub3duVmlzaWJpbGl0eVN0YXRlIjpmYWxzZX0sIklzVmlzaWJsZSI6dHJ1ZSwiUGFyZW50U3R5bGUiOm51bGx9LCJJbmRleCI6MTIsIlNtYXJ0RHVyYXRpb25BY3RpdmF0ZWQiOmZhbHNlLCJEYXRlRm9ybWF0Ijp7IiRyZWYiOiI1NyJ9LCJXZWVrTnVtYmVyaW5nIjp7IiRpZCI6IjQ3MCIsIkZvcm1hdCI6MCwiSXNWaXNpYmxlIjpmYWxzZSwiTGFzdEtub3duVmlzaWJpbGl0eVN0YXRlIjpmYWxzZX0sIklkIjoiMTk2ZTQ2MWYtYTNiOS00YmVkLThiYzUtNmRjOTllNjc2ZGViIiwiSW1wb3J0SWQiOm51bGwsIlRpdGxlIjoiQ2FyIFJlc2VydmF0aW9uIiwiTm90ZSI6bnVsbCwiSHlwZXJsaW5rIjp7IiRpZCI6IjQ3MSIsIkFkZHJlc3MiOiIiLCJTdWJBZGRyZXNzIjoiIn0sIklzQ2hhbmdlZCI6ZmFsc2UsIklzTmV3IjpmYWxzZX19XSwiX21pbGVzdG9uZXMiOltdLCJJZCI6IjAwMDAwMDAwLTAwMDAtMDAwMC0wMDAwLTAwMDAwMDAwMDAwMCIsIklzU2luZ2xlSXRlbVJvdyI6dHJ1ZX1dLCJJbmRleCI6MTAsIklkIjoiMmU2Y2QxM2ItOTkzNC00NTNmLTk1NjktYzA0ZTVlNjVhNmViIiwiSGVhZGVyVGV4dCI6bnVsbCwiSXNEZWZhdWx0Ijp0cnVlLCJTdHlsZSI6eyIkaWQiOiI0NzIiLCJIZWFkZXJTdHlsZSI6eyIkaWQiOiI0NzMiLCJUZXh0U3R5bGUiOnsiJGlkIjoiNDc0IiwiRm9udFNldHRpbmdzIjp7IiRpZCI6IjQ3NSIsIkZvbnRTaXplIjoxMSwiRm9udE5hbWUiOiJDYWxpYnJpIiwiSXNCb2xkIjpmYWxzZSwiSXNJdGFsaWMiOmZhbHNlLCJJc1VuZGVybGluZWQiOmZhbHNlLCJQYXJlbnRTdHlsZSI6bnVsbH0sIkF1dG9TaXplIjoyLCJGb3JlZ3JvdW5kIjp7IiRpZCI6IjQ3NiIsIkNvbG9yIjp7IiRpZCI6IjQ3NyIsIkEiOjI1NSwiUiI6MCwiRyI6MCwiQiI6MH19LCJNYXhXaWR0aCI6MC4wLCJNYXhIZWlnaHQiOiJJbmZpbml0eSIsIlNtYXJ0Rm9yZWdyb3VuZElzQWN0aXZlIjpmYWxzZSwiSG9yaXpvbnRhbEFsaWdubWVudCI6MCwiVmVydGljYWxBbGlnbm1lbnQiOjAsIlNtYXJ0Rm9yZWdyb3VuZCI6bnVsbCwiQmFja2dyb3VuZEZpbGxUeXBlIjowLCJNYXJnaW4iOnsiJGlkIjoiNDc4IiwiVG9wIjowLjAsIkxlZnQiOjAuMCwiUmlnaHQiOjAuMCwiQm90dG9tIjowLjB9LCJQYWRkaW5nIjp7IiRpZCI6IjQ3OSIsIlRvcCI6MC4wLCJMZWZ0IjowLjAsIlJpZ2h0IjowLjAsIkJvdHRvbSI6MC4wfSwiQmFja2dyb3VuZCI6bnVsbCwiSXNWaXNpYmxlIjp0cnVlLCJXaWR0aCI6MC4wLCJIZWlnaHQiOjAuMCwiQm9yZGVyU3R5bGUiOm51bGwsIlBhcmVudFN0eWxlIjpudWxsfSwiUmVjdGFuZ2xlU3R5bGUiOnsiJGlkIjoiNDgwIiwiTWFyZ2luIjp7IiRpZCI6IjQ4MSIsIlRvcCI6MC4wLCJMZWZ0IjowLjAsIlJpZ2h0IjowLjAsIkJvdHRvbSI6MC4wfSwiUGFkZGluZyI6eyIkaWQiOiI0ODIiLCJUb3AiOjAuMCwiTGVmdCI6MC4wLCJSaWdodCI6MC4wLCJCb3R0b20iOjAuMH0sIkJhY2tncm91bmQiOnsiJGlkIjoiNDgzIiwiQ29sb3IiOnsiJGlkIjoiNDg0IiwiQSI6NjMsIlIiOjE2NSwiRyI6MTY1LCJCIjoxNjV9fSwiSXNWaXNpYmxlIjp0cnVlLCJXaWR0aCI6MC4wLCJIZWlnaHQiOjAuMCwiQm9yZGVyU3R5bGUiOnsiJGlkIjoiNDg1IiwiTGluZUNvbG9yIjp7IiRpZCI6IjQ4NiIsIiR0eXBlIjoiTkxSRS5Db21tb24uRG9tLlNvbGlkQ29sb3JCcnVzaCwgTkxSRS5Db21tb24iLCJDb2xvciI6eyIkaWQiOiI0ODciLCJBIjoyNTUsIlIiOjI1NSwiRyI6MCwiQiI6MH19LCJMaW5lV2VpZ2h0IjowLjAsIkxpbmVUeXBlIjowLCJQYXJlbnRTdHlsZSI6bnVsbH0sIlBhcmVudFN0eWxlIjpudWxsfSwiTWFyZ2luIjp7IiRpZCI6IjQ4OCIsIlRvcCI6MC4wLCJMZWZ0IjowLjAsIlJpZ2h0IjowLjAsIkJvdHRvbSI6MC4wfSwiUGFkZGluZyI6eyIkaWQiOiI0ODkiLCJUb3AiOjAuMCwiTGVmdCI6MC4wLCJSaWdodCI6MC4wLCJCb3R0b20iOjAuMH0sIkJhY2tncm91bmQiOm51bGwsIklzVmlzaWJsZSI6dHJ1ZSwiV2lkdGgiOjAuMCwiSGVpZ2h0IjowLjAsIkJvcmRlclN0eWxlIjpudWxsLCJQYXJlbnRTdHlsZSI6bnVsbH0sIkJhY2tncm91bmRTdHlsZSI6eyIkaWQiOiI0OTAiLCJNYXJnaW4iOnsiJGlkIjoiNDkxIiwiVG9wIjowLjAsIkxlZnQiOjAuMCwiUmlnaHQiOjAuMCwiQm90dG9tIjowLjB9LCJQYWRkaW5nIjp7IiRpZCI6IjQ5MiIsIlRvcCI6MC4wLCJMZWZ0IjowLjAsIlJpZ2h0IjowLjAsIkJvdHRvbSI6MC4wfSwiQmFja2dyb3VuZCI6eyIkaWQiOiI0OTMiLCJDb2xvciI6eyIkaWQiOiI0OTQiLCJBIjo1MSwiUiI6MTY1LCJHIjoxNjUsIkIiOjE2NX19LCJJc1Zpc2libGUiOnRydWUsIldpZHRoIjowLjAsIkhlaWdodCI6MC4wLCJCb3JkZXJTdHlsZSI6eyIkaWQiOiI0OTUiLCJMaW5lQ29sb3IiOnsiJGlkIjoiNDk2IiwiJHR5cGUiOiJOTFJFLkNvbW1vbi5Eb20uU29saWRDb2xvckJydXNoLCBOTFJFLkNvbW1vbiIsIkNvbG9yIjp7IiRpZCI6IjQ5NyIsIkEiOjI1NSwiUiI6MjU1LCJHIjowLCJCIjowfX0sIkxpbmVXZWlnaHQiOjAuMCwiTGluZVR5cGUiOjAsIlBhcmVudFN0eWxlIjpudWxsfSwiUGFyZW50U3R5bGUiOm51bGx9LCJNYXJnaW4iOnsiJGlkIjoiNDk4IiwiVG9wIjowLjAsIkxlZnQiOjAuMCwiUmlnaHQiOjAuMCwiQm90dG9tIjowLjB9LCJQYWRkaW5nIjp7IiRpZCI6IjQ5OSIsIlRvcCI6MC4wLCJMZWZ0IjowLjAsIlJpZ2h0IjowLjAsIkJvdHRvbSI6MC4wfSwiSXNWaXNpYmxlIjpmYWxzZSwiV2lkdGgiOjAuMCwiSGVpZ2h0IjowLjAsIkJvcmRlclN0eWxlIjpudWxsLCJQYXJlbnRTdHlsZSI6bnVsbH19XSwiSWQiOiJmODM4MTRkNC1kYjVmLTQ0NDYtYTY4Ni1iZjY4MDZhN2ZlYzkiLCJJbmRleCI6MTAsIkhlYWRlclRleHQiOiJVc2VyIEZlYXR1cmVzIiwiU3R5bGUiOnsiJGlkIjoiNTAwIiwiSGVhZGVyU3R5bGUiOnsiJGlkIjoiNTAxIiwiVGV4dElzVmVydGljYWwiOmZhbHNlLCJUZXh0U3R5bGUiOnsiJGlkIjoiNTAyIiwiRm9udFNldHRpbmdzIjp7IiRpZCI6IjUwMyIsIkZvbnRTaXplIjoxMiwiRm9udE5hbWUiOiJDYWxpYnJpIiwiSXNCb2xkIjpmYWxzZSwiSXNJdGFsaWMiOmZhbHNlLCJJc1VuZGVybGluZWQiOmZhbHNlLCJQYXJlbnRTdHlsZSI6bnVsbH0sIkF1dG9TaXplIjoyLCJGb3JlZ3JvdW5kIjp7IiRyZWYiOiIxMjYifSwiTWF4V2lkdGgiOjE2MC4wLCJNYXhIZWlnaHQiOiJJbmZpbml0eSIsIlNtYXJ0Rm9yZWdyb3VuZElzQWN0aXZlIjpmYWxzZSwiSG9yaXpvbnRhbEFsaWdubWVudCI6MCwiVmVydGljYWxBbGlnbm1lbnQiOjAsIlNtYXJ0Rm9yZWdyb3VuZCI6bnVsbCwiQmFja2dyb3VuZEZpbGxUeXBlIjowLCJNYXJnaW4iOnsiJHJlZiI6IjEyOCJ9LCJQYWRkaW5nIjp7IiRyZWYiOiIxMjkifSwiQmFja2dyb3VuZCI6bnVsbCwiSXNWaXNpYmxlIjp0cnVlLCJXaWR0aCI6MC4wLCJIZWlnaHQiOjAuMCwiQm9yZGVyU3R5bGUiOm51bGwsIlBhcmVudFN0eWxlIjpudWxsfSwiUmVjdGFuZ2xlU3R5bGUiOnsiJGlkIjoiNTA0IiwiTWFyZ2luIjp7IiRpZCI6IjUwNSIsIlRvcCI6MC4wLCJMZWZ0IjowLjAsIlJpZ2h0IjowLjAsIkJvdHRvbSI6MC4wfSwiUGFkZGluZyI6eyIkaWQiOiI1MDYiLCJUb3AiOjAuMCwiTGVmdCI6MC4wLCJSaWdodCI6MC4wLCJCb3R0b20iOjAuMH0sIkJhY2tncm91bmQiOnsiJGlkIjoiNTA3IiwiQ29sb3IiOnsiJGlkIjoiNTA4IiwiQSI6MjU1LCJSIjoxNjUsIkciOjE2NSwiQiI6MTY1fX0sIklzVmlzaWJsZSI6dHJ1ZSwiV2lkdGgiOjAuMCwiSGVpZ2h0IjowLjAsIkJvcmRlclN0eWxlIjp7IiRpZCI6IjUwOSIsIkxpbmVDb2xvciI6eyIkaWQiOiI1MTAiLCIkdHlwZSI6Ik5MUkUuQ29tbW9uLkRvbS5Tb2xpZENvbG9yQnJ1c2gsIE5MUkUuQ29tbW9uIiwiQ29sb3IiOnsiJGlkIjoiNTExIiwiQSI6MjU1LCJSIjoyNTUsIkciOjAsIkIiOjB9fSwiTGluZVdlaWdodCI6MC4wLCJMaW5lVHlwZSI6MCwiUGFyZW50U3R5bGUiOm51bGx9LCJQYXJlbnRTdHlsZSI6bnVsbH0sIk1hcmdpbiI6eyIkaWQiOiI1MTIiLCJUb3AiOjAuMCwiTGVmdCI6MC4wLCJSaWdodCI6MC4wLCJCb3R0b20iOjAuMH0sIlBhZGRpbmciOnsiJGlkIjoiNTEzIiwiVG9wIjowLjAsIkxlZnQiOjAuMCwiUmlnaHQiOjAuMCwiQm90dG9tIjowLjB9LCJCYWNrZ3JvdW5kIjpudWxsLCJJc1Zpc2libGUiOnRydWUsIldpZHRoIjowLjAsIkhlaWdodCI6MC4wLCJCb3JkZXJTdHlsZSI6bnVsbCwiUGFyZW50U3R5bGUiOm51bGx9LCJCYWNrZ3JvdW5kU3R5bGUiOnsiJGlkIjoiNTE0IiwiTWFyZ2luIjp7IiRpZCI6IjUxNSIsIlRvcCI6MC4wLCJMZWZ0IjowLjAsIlJpZ2h0IjowLjAsIkJvdHRvbSI6MC4wfSwiUGFkZGluZyI6eyIkaWQiOiI1MTYiLCJUb3AiOjAuMCwiTGVmdCI6MC4wLCJSaWdodCI6MC4wLCJCb3R0b20iOjAuMH0sIkJhY2tncm91bmQiOnsiJGlkIjoiNTE3IiwiQ29sb3IiOnsiJGlkIjoiNTE4IiwiQSI6NTEsIlIiOjE2NSwiRyI6MTY1LCJCIjoxNjV9fSwiSXNWaXNpYmxlIjp0cnVlLCJXaWR0aCI6MC4wLCJIZWlnaHQiOjAuMCwiQm9yZGVyU3R5bGUiOnsiJGlkIjoiNTE5IiwiTGluZUNvbG9yIjp7IiRpZCI6IjUyMCIsIiR0eXBlIjoiTkxSRS5Db21tb24uRG9tLlNvbGlkQ29sb3JCcnVzaCwgTkxSRS5Db21tb24iLCJDb2xvciI6eyIkaWQiOiI1MjEiLCJBIjoyNTUsIlIiOjI1NSwiRyI6MCwiQiI6MH19LCJMaW5lV2VpZ2h0IjowLjAsIkxpbmVUeXBlIjowLCJQYXJlbnRTdHlsZSI6bnVsbH0sIlBhcmVudFN0eWxlIjpudWxsfSwiSXNBYm92ZVRpbWViYW5kIjpmYWxzZSwiTWFyZ2luIjp7IiRpZCI6IjUyMiIsIlRvcCI6MC4wLCJMZWZ0IjowLjAsIlJpZ2h0IjowLjAsIkJvdHRvbSI6MC4wfSwiUGFkZGluZyI6eyIkaWQiOiI1MjMiLCJUb3AiOjAuMCwiTGVmdCI6MC4wLCJSaWdodCI6MC4wLCJCb3R0b20iOjAuMH0sIklzVmlzaWJsZSI6dHJ1ZSwiV2lkdGgiOjAuMCwiSGVpZ2h0IjowLjAsIkJvcmRlclN0eWxlIjp7IiRpZCI6IjUyNCIsIkxpbmVDb2xvciI6bnVsbCwiTGluZVdlaWdodCI6MC4wLCJMaW5lVHlwZSI6MCwiUGFyZW50U3R5bGUiOm51bGx9LCJQYXJlbnRTdHlsZSI6bnVsbH19XSwiQ3VsdHVyZUluZm9OYW1lIjoiZW4tVVMiLCJTdHlsZU5hbWUiOm51bGwsIlZlcnNpb24iOnsiJGlkIjoiNTI1IiwiVmVyc2lvbiI6IjMuNi4xIiwiT3JpZ2luYWxBc3NlbWJseVZlcnNpb24iOiI2LjA2LjAyLjAwIiwiRWRpdGlvbiI6bnVsbCwiTGFzdFNhdmVkRWRpdGlvbiI6MCwiSXNQbHVzRWRpdGlvbiI6ZmFsc2UsIklzUHJvRWRpdGlvbiI6ZmFsc2V9LCJFZmZlY3QiOjEsIlN0eWxlIjp7IiRpZCI6IjUyNiIsIlRpbWViYW5kU3R5bGUiOnsiJGlkIjoiNTI3IiwiU2NhbGVNYXJraW5nIjowLCJTaGFwZSI6MCwiU2hhcGVTdHlsZSI6eyIkaWQiOiI1MjgiLCJNYXJnaW4iOnsiJGlkIjoiNTI5IiwiVG9wIjowLjAsIkxlZnQiOjEwLjAsIlJpZ2h0IjoxMC4wLCJCb3R0b20iOjAuMH0sIlBhZGRpbmciOnsiJGlkIjoiNTMwIiwiVG9wIjo1LjAsIkxlZnQiOjEzLjAsIlJpZ2h0IjoxMy4wLCJCb3R0b20iOjUuMH0sIkJhY2tncm91bmQiOnsiJGlkIjoiNTMxIiwiQ29sb3IiOnsiJGlkIjoiNTMyIiwiQSI6MjU1LCJSIjo2OCwiRyI6ODQsIkIiOjEwNn19LCJJc1Zpc2libGUiOnRydWUsIldpZHRoIjo4NTguMCwiSGVpZ2h0IjozMC4wLCJCb3JkZXJTdHlsZSI6eyIkaWQiOiI1MzMiLCJMaW5lQ29sb3IiOnsiJGlkIjoiNTM0IiwiJHR5cGUiOiJOTFJFLkNvbW1vbi5Eb20uU29saWRDb2xvckJydXNoLCBOTFJFLkNvbW1vbiIsIkNvbG9yIjp7IiRpZCI6IjUzNSIsIkEiOjI1NSwiUiI6MjU1LCJHIjowLCJCIjowfX0sIkxpbmVXZWlnaHQiOjAuMCwiTGluZVR5cGUiOjAsIlBhcmVudFN0eWxlIjpudWxsfSwiUGFyZW50U3R5bGUiOm51bGx9LCJNaWRkbGVUaWVyU2hhcGVTdHlsZSI6eyIkaWQiOiI1MzYiLCJNYXJnaW4iOnsiJGlkIjoiNTM3IiwiVG9wIjowLjAsIkxlZnQiOjEwLjAsIlJpZ2h0IjoxMC4wLCJCb3R0b20iOjAuMH0sIlBhZGRpbmciOnsiJGlkIjoiNTM4IiwiVG9wIjo1LjAsIkxlZnQiOjEzLjAsIlJpZ2h0IjoxMy4wLCJCb3R0b20iOjUuMH0sIkJhY2tncm91bmQiOnsiJGlkIjoiNTM5IiwiQ29sb3IiOnsiJGlkIjoiNTQwIiwiQSI6MjU1LCJSIjo2OCwiRyI6ODQsIkIiOjEwNn19LCJJc1Zpc2libGUiOnRydWUsIldpZHRoIjo4NTguMCwiSGVpZ2h0IjozMC4wLCJCb3JkZXJTdHlsZSI6eyIkaWQiOiI1NDEiLCJMaW5lQ29sb3IiOnsiJGlkIjoiNTQyIiwiJHR5cGUiOiJOTFJFLkNvbW1vbi5Eb20uU29saWRDb2xvckJydXNoLCBOTFJFLkNvbW1vbiIsIkNvbG9yIjp7IiRpZCI6IjU0MyIsIkEiOjI1NSwiUiI6MjU1LCJHIjowLCJCIjowfX0sIkxpbmVXZWlnaHQiOjAuMCwiTGluZVR5cGUiOjAsIlBhcmVudFN0eWxlIjpudWxsfSwiUGFyZW50U3R5bGUiOm51bGx9LCJCb3R0b21UaWVyU2hhcGVTdHlsZSI6eyIkaWQiOiI1NDQiLCJNYXJnaW4iOnsiJGlkIjoiNTQ1IiwiVG9wIjowLjAsIkxlZnQiOjEwLjAsIlJpZ2h0IjoxMC4wLCJCb3R0b20iOjAuMH0sIlBhZGRpbmciOnsiJGlkIjoiNTQ2IiwiVG9wIjo1LjAsIkxlZnQiOjEzLjAsIlJpZ2h0IjoxMy4wLCJCb3R0b20iOjUuMH0sIkJhY2tncm91bmQiOnsiJGlkIjoiNTQ3IiwiQ29sb3IiOnsiJGlkIjoiNTQ4IiwiQSI6MjU1LCJSIjo2OCwiRyI6ODQsIkIiOjEwNn19LCJJc1Zpc2libGUiOnRydWUsIldpZHRoIjo4NTguMCwiSGVpZ2h0IjozMC4wLCJCb3JkZXJTdHlsZSI6eyIkaWQiOiI1NDkiLCJMaW5lQ29sb3IiOnsiJGlkIjoiNTUwIiwiJHR5cGUiOiJOTFJFLkNvbW1vbi5Eb20uU29saWRDb2xvckJydXNoLCBOTFJFLkNvbW1vbiIsIkNvbG9yIjp7IiRpZCI6IjU1MSIsIkEiOjI1NSwiUiI6MjU1LCJHIjowLCJCIjowfX0sIkxpbmVXZWlnaHQiOjAuMCwiTGluZVR5cGUiOjAsIlBhcmVudFN0eWxlIjpudWxsfSwiUGFyZW50U3R5bGUiOm51bGx9LCJSaWdodEVuZENhcHNTdHlsZSI6eyIkaWQiOiI1NTIiLCJGb250U2V0dGluZ3MiOnsiJGlkIjoiNTUzIiwiRm9udFNpemUiOjE4LCJGb250TmFtZSI6IkNhbGlicmkiLCJJc0JvbGQiOnRydWUsIklzSXRhbGljIjpmYWxzZSwiSXNVbmRlcmxpbmVkIjpmYWxzZSwiUGFyZW50U3R5bGUiOm51bGx9LCJBdXRvU2l6ZSI6MCwiRm9yZWdyb3VuZCI6eyIkaWQiOiI1NTQiLCJDb2xvciI6eyIkaWQiOiI1NTUiLCJBIjoyNTUsIlIiOjIzNywiRyI6MTI1LCJCIjo0OX19LCJNYXhXaWR0aCI6IkluZmluaXR5IiwiTWF4SGVpZ2h0IjoiSW5maW5pdHkiLCJTbWFydEZvcmVncm91bmRJc0FjdGl2ZSI6ZmFsc2UsIkhvcml6b250YWxBbGlnbm1lbnQiOjAsIlZlcnRpY2FsQWxpZ25tZW50IjowLCJTbWFydEZvcmVncm91bmQiOm51bGwsIkJhY2tncm91bmRGaWxsVHlwZSI6MCwiTWFyZ2luIjp7IiRpZCI6IjU1NiIsIlRvcCI6MC4wLCJMZWZ0IjowLjAsIlJpZ2h0IjoyMC4wLCJCb3R0b20iOjAuMH0sIlBhZGRpbmciOnsiJGlkIjoiNTU3IiwiVG9wIjowLjAsIkxlZnQiOjAuMCwiUmlnaHQiOjAuMCwiQm90dG9tIjowLjB9LCJCYWNrZ3JvdW5kIjp7IiRpZCI6IjU1OCIsIkNvbG9yIjp7IiRyZWYiOiIxNSJ9fSwiSXNWaXNpYmxlIjp0cnVlLCJXaWR0aCI6MC4wLCJIZWlnaHQiOjAuMCwiQm9yZGVyU3R5bGUiOm51bGwsIlBhcmVudFN0eWxlIjpudWxsfSwiTGVmdEVuZENhcHNTdHlsZSI6eyIkaWQiOiI1NTkiLCJGb250U2V0dGluZ3MiOnsiJGlkIjoiNTYwIiwiRm9udFNpemUiOjE4LCJGb250TmFtZSI6IkNhbGlicmkiLCJJc0JvbGQiOnRydWUsIklzSXRhbGljIjpmYWxzZSwiSXNVbmRlcmxpbmVkIjpmYWxzZSwiUGFyZW50U3R5bGUiOm51bGx9LCJBdXRvU2l6ZSI6MCwiRm9yZWdyb3VuZCI6eyIkaWQiOiI1NjEiLCJDb2xvciI6eyIkaWQiOiI1NjIiLCJBIjoyNTUsIlIiOjIzNywiRyI6MTI1LCJCIjo0OX19LCJNYXhXaWR0aCI6IkluZmluaXR5IiwiTWF4SGVpZ2h0IjoiSW5maW5pdHkiLCJTbWFydEZvcmVncm91bmRJc0FjdGl2ZSI6ZmFsc2UsIkhvcml6b250YWxBbGlnbm1lbnQiOjAsIlZlcnRpY2FsQWxpZ25tZW50IjowLCJTbWFydEZvcmVncm91bmQiOm51bGwsIkJhY2tncm91bmRGaWxsVHlwZSI6MCwiTWFyZ2luIjp7IiRpZCI6IjU2MyIsIlRvcCI6MC4wLCJMZWZ0IjoxMTUuNTA2NjY2NjY2NjY2NjYsIlJpZ2h0IjowLjAsIkJvdHRvbSI6MC4wfSwiUGFkZGluZyI6eyIkaWQiOiI1NjQiLCJUb3AiOjAuMCwiTGVmdCI6MC4wLCJSaWdodCI6MC4wLCJCb3R0b20iOjAuMH0sIkJhY2tncm91bmQiOnsiJGlkIjoiNTY1IiwiQ29sb3IiOnsiJHJlZiI6IjE1In19LCJJc1Zpc2libGUiOmZhbHNlLCJXaWR0aCI6MC4wLCJIZWlnaHQiOjAuMCwiQm9yZGVyU3R5bGUiOm51bGwsIlBhcmVudFN0eWxlIjpudWxsfSwiVG9kYXlUZXh0U3R5bGUiOnsiJGlkIjoiNTY2IiwiRm9udFNldHRpbmdzIjp7IiRpZCI6IjU2NyIsIkZvbnRTaXplIjoxMiwiRm9udE5hbWUiOiJDYWxpYnJpIiwiSXNCb2xkIjpmYWxzZSwiSXNJdGFsaWMiOmZhbHNlLCJJc1VuZGVybGluZWQiOmZhbHNlLCJQYXJlbnRTdHlsZSI6bnVsbH0sIkF1dG9TaXplIjowLCJGb3JlZ3JvdW5kIjp7IiRpZCI6IjU2OCIsIkNvbG9yIjp7IiRpZCI6IjU2OSIsIkEiOjI1NSwiUiI6MCwiRyI6MCwiQiI6MH19LCJNYXhXaWR0aCI6MjAwLjAsIk1heEhlaWdodCI6IkluZmluaXR5IiwiU21hcnRGb3JlZ3JvdW5kSXNBY3RpdmUiOmZhbHNlLCJIb3Jpem9udGFsQWxpZ25tZW50IjowLCJWZXJ0aWNhbEFsaWdubWVudCI6MCwiU21hcnRGb3JlZ3JvdW5kIjpudWxsLCJCYWNrZ3JvdW5kRmlsbFR5cGUiOjAsIk1hcmdpbiI6eyIkaWQiOiI1NzAiLCJUb3AiOjAuMCwiTGVmdCI6MC4wLCJSaWdodCI6MC4wLCJCb3R0b20iOjAuMH0sIlBhZGRpbmciOnsiJGlkIjoiNTcxIiwiVG9wIjowLjAsIkxlZnQiOjAuMCwiUmlnaHQiOjAuMCwiQm90dG9tIjowLjB9LCJCYWNrZ3JvdW5kIjp7IiRpZCI6IjU3MiIsIkNvbG9yIjp7IiRyZWYiOiIxNSJ9fSwiSXNWaXNpYmxlIjp0cnVlLCJXaWR0aCI6MC4wLCJIZWlnaHQiOjAuMCwiQm9yZGVyU3R5bGUiOm51bGwsIlBhcmVudFN0eWxlIjpudWxsfSwiVG9kYXlNYXJrZXJTdHlsZSI6eyIkaWQiOiI1NzMiLCJNYXJnaW4iOnsiJGlkIjoiNTc0IiwiVG9wIjowLjAsIkxlZnQiOjAuMCwiUmlnaHQiOjAuMCwiQm90dG9tIjowLjB9LCJQYWRkaW5nIjp7IiRpZCI6IjU3NSIsIlRvcCI6MC4wLCJMZWZ0IjowLjAsIlJpZ2h0IjowLjAsIkJvdHRvbSI6MC4wfSwiQmFja2dyb3VuZCI6eyIkaWQiOiI1NzYiLCJDb2xvciI6eyIkaWQiOiI1NzciLCJBIjoyNTUsIlIiOjI1NSwiRyI6MCwiQiI6MH19LCJJc1Zpc2libGUiOnRydWUsIldpZHRoIjowLjAsIkhlaWdodCI6MC4wLCJCb3JkZXJTdHlsZSI6bnVsbCwiUGFyZW50U3R5bGUiOm51bGx9LCJTY2FsZVN0eWxlIjp7IiRpZCI6IjU3OCIsIlNoYXBlIjo0LCJTaG93U2VnbWVudFNlcGFyYXRvcnMiOnRydWUsIlNlZ21lbnRTZXBhcmF0b3JPcGFjaXR5IjozMCwiSGFzQmVlblZpc2libGVCZWZvcmUiOnRydWUsIkZvbnRTZXR0aW5ncyI6eyIkaWQiOiI1NzkiLCJGb250U2l6ZSI6MTIsIkZvbnROYW1lIjoiQ2FsaWJyaSIsIklzQm9sZCI6ZmFsc2UsIklzSXRhbGljIjpmYWxzZSwiSXNVbmRlcmxpbmVkIjpmYWxzZSwiUGFyZW50U3R5bGUiOm51bGx9LCJBdXRvU2l6ZSI6MCwiRm9yZWdyb3VuZCI6eyIkaWQiOiI1ODAiLCJDb2xvciI6eyIkaWQiOiI1ODEiLCJBIjoyNTUsIlIiOjI1NSwiRyI6MjU1LCJCIjoyNTV9fSwiTWF4V2lkdGgiOjIwMC4wLCJNYXhIZWlnaHQiOiJJbmZpbml0eSIsIlNtYXJ0Rm9yZWdyb3VuZElzQWN0aXZlIjpmYWxzZSwiSG9yaXpvbnRhbEFsaWdubWVudCI6MCwiVmVydGljYWxBbGlnbm1lbnQiOjEsIlNtYXJ0Rm9yZWdyb3VuZCI6bnVsbCwiQmFja2dyb3VuZEZpbGxUeXBlIjowLCJNYXJnaW4iOnsiJGlkIjoiNTgyIiwiVG9wIjowLjAsIkxlZnQiOjUuMCwiUmlnaHQiOjAuMCwiQm90dG9tIjowLjB9LCJQYWRkaW5nIjp7IiRpZCI6IjU4MyIsIlRvcCI6MC4wLCJMZWZ0IjowLjAsIlJpZ2h0IjowLjAsIkJvdHRvbSI6MC4wfSwiQmFja2dyb3VuZCI6eyIkaWQiOiI1ODQiLCJDb2xvciI6eyIkcmVmIjoiMTUifX0sIklzVmlzaWJsZSI6dHJ1ZSwiV2lkdGgiOjAuMCwiSGVpZ2h0IjowLjAsIkJvcmRlclN0eWxlIjpudWxsLCJQYXJlbnRTdHlsZSI6bnVsbH0sIlNpbmdsZVNjYWxlU2hhcGVTdHlsZSI6eyIkaWQiOiI1ODUiLCJTaGFwZSI6MCwiSGVpZ2h0IjowLjB9LCJNaWRkbGVUaWVyU2NhbGVTdHlsZSI6eyIkaWQiOiI1ODYiLCJTaGFwZSI6NCwiU2hvd1NlZ21lbnRTZXBhcmF0b3JzIjp0cnVlLCJTZWdtZW50U2VwYXJhdG9yT3BhY2l0eSI6MzAsIkhhc0JlZW5WaXNpYmxlQmVmb3JlIjpmYWxzZSwiRm9udFNldHRpbmdzIjp7IiRpZCI6IjU4NyIsIkZvbnRTaXplIjoxMiwiRm9udE5hbWUiOiJDYWxpYnJpIiwiSXNCb2xkIjpmYWxzZSwiSXNJdGFsaWMiOmZhbHNlLCJJc1VuZGVybGluZWQiOmZhbHNlLCJQYXJlbnRTdHlsZSI6bnVsbH0sIkF1dG9TaXplIjowLCJGb3JlZ3JvdW5kIjp7IiRpZCI6IjU4OCIsIkNvbG9yIjp7IiRpZCI6IjU4OSIsIkEiOjI1NSwiUiI6MjU1LCJHIjoyNTUsIkIiOjI1NX19LCJNYXhXaWR0aCI6MjAwLjAsIk1heEhlaWdodCI6IkluZmluaXR5IiwiU21hcnRGb3JlZ3JvdW5kSXNBY3RpdmUiOmZhbHNlLCJIb3Jpem9udGFsQWxpZ25tZW50IjowLCJWZXJ0aWNhbEFsaWdubWVudCI6MSwiU21hcnRGb3JlZ3JvdW5kIjpudWxsLCJCYWNrZ3JvdW5kRmlsbFR5cGUiOjAsIk1hcmdpbiI6eyIkaWQiOiI1OTAiLCJUb3AiOjAuMCwiTGVmdCI6NS4wLCJSaWdodCI6MC4wLCJCb3R0b20iOjAuMH0sIlBhZGRpbmciOnsiJGlkIjoiNTkxIiwiVG9wIjowLjAsIkxlZnQiOjAuMCwiUmlnaHQiOjAuMCwiQm90dG9tIjowLjB9LCJCYWNrZ3JvdW5kIjp7IiRpZCI6IjU5MiIsIkNvbG9yIjp7IiRpZCI6IjU5MyIsIkEiOjAsIlIiOjAsIkciOjAsIkIiOjB9fSwiSXNWaXNpYmxlIjpmYWxzZSwiV2lkdGgiOjAuMCwiSGVpZ2h0IjowLjAsIkJvcmRlclN0eWxlIjpudWxsLCJQYXJlbnRTdHlsZSI6bnVsbH0sIkJvdHRvbVRpZXJTY2FsZVN0eWxlIjp7IiRpZCI6IjU5NCIsIlNoYXBlIjo0LCJTaG93U2VnbWVudFNlcGFyYXRvcnMiOnRydWUsIlNlZ21lbnRTZXBhcmF0b3JPcGFjaXR5IjozMCwiSGFzQmVlblZpc2libGVCZWZvcmUiOmZhbHNlLCJGb250U2V0dGluZ3MiOnsiJGlkIjoiNTk1IiwiRm9udFNpemUiOjEyLCJGb250TmFtZSI6IkNhbGlicmkiLCJJc0JvbGQiOmZhbHNlLCJJc0l0YWxpYyI6ZmFsc2UsIklzVW5kZXJsaW5lZCI6ZmFsc2UsIlBhcmVudFN0eWxlIjpudWxsfSwiQXV0b1NpemUiOjAsIkZvcmVncm91bmQiOnsiJGlkIjoiNTk2IiwiQ29sb3IiOnsiJGlkIjoiNTk3IiwiQSI6MjU1LCJSIjoyNTUsIkciOjI1NSwiQiI6MjU1fX0sIk1heFdpZHRoIjoyMDAuMCwiTWF4SGVpZ2h0IjoiSW5maW5pdHkiLCJTbWFydEZvcmVncm91bmRJc0FjdGl2ZSI6ZmFsc2UsIkhvcml6b250YWxBbGlnbm1lbnQiOjAsIlZlcnRpY2FsQWxpZ25tZW50IjoxLCJTbWFydEZvcmVncm91bmQiOm51bGwsIkJhY2tncm91bmRGaWxsVHlwZSI6MCwiTWFyZ2luIjp7IiRpZCI6IjU5OCIsIlRvcCI6MC4wLCJMZWZ0Ijo1LjAsIlJpZ2h0IjowLjAsIkJvdHRvbSI6MC4wfSwiUGFkZGluZyI6eyIkaWQiOiI1OTkiLCJUb3AiOjAuMCwiTGVmdCI6MC4wLCJSaWdodCI6MC4wLCJCb3R0b20iOjAuMH0sIkJhY2tncm91bmQiOnsiJGlkIjoiNjAwIiwiQ29sb3IiOnsiJGlkIjoiNjAxIiwiQSI6MCwiUiI6MCwiRyI6MCwiQiI6MH19LCJJc1Zpc2libGUiOmZhbHNlLCJXaWR0aCI6MC4wLCJIZWlnaHQiOjAuMCwiQm9yZGVyU3R5bGUiOm51bGwsIlBhcmVudFN0eWxlIjpudWxsfSwiRWxhcHNlZFRpbWVCYWNrZ3JvdW5kIjp7IiRpZCI6IjYwMiIsIkNvbG9yIjp7IiRpZCI6IjYwMyIsIkEiOjc3LCJSIjoyNTUsIkciOjAsIkIiOjB9fSwiQXBwZW5kWWVhck9uWWVhckNoYW5nZSI6dHJ1ZSwiRWxhcHNlZFRpbWVGb3JtYXQiOjEsIlRvZGF5TWFya2VyUG9zaXRpb24iOjMsIlF1aWNrUG9zaXRpb24iOjMsIkFic29sdXRlUG9zaXRpb24iOjI0MC4wLCJNYXJnaW4iOnsiJGlkIjoiNjA0IiwiVG9wIjowLjAsIkxlZnQiOjEwLjAsIlJpZ2h0IjoxMC4wLCJCb3R0b20iOjAuMH0sIlBhZGRpbmciOnsiJGlkIjoiNjA1IiwiVG9wIjowLjAsIkxlZnQiOjAuMCwiUmlnaHQiOjAuMCwiQm90dG9tIjowLjB9LCJCYWNrZ3JvdW5kIjp7IiRpZCI6IjYwNiIsIkNvbG9yIjp7IiRpZCI6IjYwNyIsIkEiOjI1NSwiUiI6MTE1LCJHIjoxMTUsIkIiOjExNX19LCJJc1Zpc2libGUiOnRydWUsIldpZHRoIjowLjAsIkhlaWdodCI6MC4wLCJCb3JkZXJTdHlsZSI6bnVsbCwiUGFyZW50U3R5bGUiOm51bGx9LCJEZWZhdWx0TWlsZXN0b25lU3R5bGUiOnsiJGlkIjoiNjA4IiwiU2hhcGUiOjAsIkNvbm5lY3Rvck1hcmdpbiI6eyIkaWQiOiI2MDkiLCJUb3AiOjAuMCwiTGVmdCI6Mi4wLCJSaWdodCI6Mi4wLCJCb3R0b20iOjAuMH0sIkNvbm5lY3RvclN0eWxlIjp7IiRpZCI6IjYxMCIsIkxpbmVDb2xvciI6eyIkaWQiOiI2MTEiLCIkdHlwZSI6Ik5MUkUuQ29tbW9uLkRvbS5Tb2xpZENvbG9yQnJ1c2gsIE5MUkUuQ29tbW9uIiwiQ29sb3IiOnsiJGlkIjoiNjEyIiwiQSI6MTI3LCJSIjozMSwiRyI6NzMsIkIiOjEyNn19LCJMaW5lV2VpZ2h0IjoxLjAsIkxpbmVUeXBlIjowLCJQYXJlbnRTdHlsZSI6bnVsbH0sIklzQmVsb3dUaW1lYmFuZCI6ZmFsc2UsIlBvc2l0aW9uT25UYXNrIjowLCJIaWRlRGF0ZSI6ZmFsc2UsIlNoYXBlU2l6ZSI6MSwiU3BhY2luZyI6Mi4wLCJQYWRkaW5nIjp7IiRpZCI6IjYxMyIsIlRvcCI6Ny4wLCJMZWZ0IjozLjAsIlJpZ2h0IjowLjAsIkJvdHRvbSI6Mi4wfSwiU2hhcGVTdHlsZSI6eyIkaWQiOiI2MTQiLCJNYXJnaW4iOnsiJGlkIjoiNjE1IiwiVG9wIjowLjAsIkxlZnQiOjAuMCwiUmlnaHQiOjAuMCwiQm90dG9tIjowLjB9LCJQYWRkaW5nIjp7IiRpZCI6IjYxNiIsIlRvcCI6MC4wLCJMZWZ0IjowLjAsIlJpZ2h0IjowLjAsIkJvdHRvbSI6MC4wfSwiQmFja2dyb3VuZCI6eyIkaWQiOiI2MTciLCJDb2xvciI6eyIkaWQiOiI2MTgiLCJBIjoyNTUsIlIiOjAsIkciOjExNCwiQiI6MTg4fX0sIklzVmlzaWJsZSI6dHJ1ZSwiV2lkdGgiOjE4LjAsIkhlaWdodCI6MjAuMCwiQm9yZGVyU3R5bGUiOnsiJGlkIjoiNjE5IiwiTGluZUNvbG9yIjp7IiRpZCI6IjYyMCIsIiR0eXBlIjoiTkxSRS5Db21tb24uRG9tLlNvbGlkQ29sb3JCcnVzaCwgTkxSRS5Db21tb24iLCJDb2xvciI6eyIkaWQiOiI2MjEiLCJBIjoyNTUsIlIiOjI1NSwiRyI6MCwiQiI6MH19LCJMaW5lV2VpZ2h0IjowLjAsIkxpbmVUeXBlIjowLCJQYXJlbnRTdHlsZSI6bnVsbH0sIlBhcmVudFN0eWxlIjpudWxsfSwiVGl0bGVTdHlsZSI6eyIkaWQiOiI2MjIiLCJGb250U2V0dGluZ3MiOnsiJGlkIjoiNjIzIiwiRm9udFNpemUiOjExLCJGb250TmFtZSI6IkNhbGlicmkiLCJJc0JvbGQiOnRydWUsIklzSXRhbGljIjpmYWxzZSwiSXNVbmRlcmxpbmVkIjpmYWxzZSwiUGFyZW50U3R5bGUiOm51bGx9LCJBdXRvU2l6ZSI6MCwiRm9yZWdyb3VuZCI6eyIkaWQiOiI2MjQiLCJDb2xvciI6eyIkaWQiOiI2MjUiLCJBIjoyNTUsIlIiOjAsIkciOjAsIkIiOjB9fSwiTWF4V2lkdGgiOjIwMC4wLCJNYXhIZWlnaHQiOiJJbmZpbml0eSIsIlNtYXJ0Rm9yZWdyb3VuZElzQWN0aXZlIjpmYWxzZSwiSG9yaXpvbnRhbEFsaWdubWVudCI6MSwiVmVydGljYWxBbGlnbm1lbnQiOjAsIlNtYXJ0Rm9yZWdyb3VuZCI6bnVsbCwiQmFja2dyb3VuZEZpbGxUeXBlIjowLCJNYXJnaW4iOnsiJGlkIjoiNjI2IiwiVG9wIjowLjAsIkxlZnQiOjAuMCwiUmlnaHQiOjAuMCwiQm90dG9tIjowLjB9LCJQYWRkaW5nIjp7IiRpZCI6IjYyNyIsIlRvcCI6MC4wLCJMZWZ0IjowLjAsIlJpZ2h0IjowLjAsIkJvdHRvbSI6MC4wfSwiQmFja2dyb3VuZCI6eyIkaWQiOiI2MjgiLCJDb2xvciI6eyIkcmVmIjoiMTUifX0sIklzVmlzaWJsZSI6dHJ1ZSwiV2lkdGgiOjAuMCwiSGVpZ2h0IjowLjAsIkJvcmRlclN0eWxlIjpudWxsLCJQYXJlbnRTdHlsZSI6bnVsbH0sIkRhdGVTdHlsZSI6eyIkaWQiOiI2MjkiLCJGb250U2V0dGluZ3MiOnsiJGlkIjoiNjMwIiwiRm9udFNpemUiOjEwLCJGb250TmFtZSI6IkNhbGlicmkiLCJJc0JvbGQiOmZhbHNlLCJJc0l0YWxpYyI6ZmFsc2UsIklzVW5kZXJsaW5lZCI6ZmFsc2UsIlBhcmVudFN0eWxlIjpudWxsfSwiQXV0b1NpemUiOjAsIkZvcmVncm91bmQiOnsiJGlkIjoiNjMxIiwiQ29sb3IiOnsiJGlkIjoiNjMyIiwiQSI6MjU1LCJSIjo2OCwiRyI6ODQsIkIiOjEwNn19LCJNYXhXaWR0aCI6MjAwLjAsIk1heEhlaWdodCI6IkluZmluaXR5IiwiU21hcnRGb3JlZ3JvdW5kSXNBY3RpdmUiOmZhbHNlLCJIb3Jpem9udGFsQWxpZ25tZW50IjowLCJWZXJ0aWNhbEFsaWdubWVudCI6MCwiU21hcnRGb3JlZ3JvdW5kIjpudWxsLCJCYWNrZ3JvdW5kRmlsbFR5cGUiOjAsIk1hcmdpbiI6eyIkaWQiOiI2MzMiLCJUb3AiOjAuMCwiTGVmdCI6MC4wLCJSaWdodCI6MC4wLCJCb3R0b20iOjAuMH0sIlBhZGRpbmciOnsiJGlkIjoiNjM0IiwiVG9wIjowLjAsIkxlZnQiOjAuMCwiUmlnaHQiOjAuMCwiQm90dG9tIjowLjB9LCJCYWNrZ3JvdW5kIjp7IiRpZCI6IjYzNSIsIkNvbG9yIjp7IiRyZWYiOiIxNSJ9fSwiSXNWaXNpYmxlIjp0cnVlLCJXaWR0aCI6MC4wLCJIZWlnaHQiOjAuMCwiQm9yZGVyU3R5bGUiOm51bGwsIlBhcmVudFN0eWxlIjpudWxsfSwiRGF0ZUZvcm1hdCI6eyIkaWQiOiI2MzYiLCJGb3JtYXRTdHJpbmciOiJNTU0gZCIsIlNlcGFyYXRvciI6Ii8iLCJVc2VJbnRlcm5hdGlvbmFsRGF0ZUZvcm1hdCI6ZmFsc2UsIkRhdGVJc1Zpc2libGUiOnRydWUsIlRpbWVJc1Zpc2libGUiOmZhbHNlLCJIb3VyRGlnaXRzIjoxLCJBbVBtRGVzaWduYXRvciI6MiwiVHJpbTAwTWludXRlcyI6ZmFsc2UsIkxhc3RLbm93blZpc2liaWxpdHlTdGF0ZSI6bnVsbH0sIldlZWtOdW1iZXJpbmciOnsiJGlkIjoiNjM3IiwiRm9ybWF0IjowLCJJc1Zpc2libGUiOmZhbHNlLCJMYXN0S25vd25WaXNpYmlsaXR5U3RhdGUiOmZhbHNlfSwiSXNWaXNpYmxlIjp0cnVlLCJQYXJlbnRTdHlsZSI6bnVsbH0sIkRlZmF1bHRUYXNrU3R5bGUiOnsiJGlkIjoiNjM4IiwiU2hhcGUiOjIsIlNoYXBlVGhpY2tuZXNzIjoxLCJEdXJhdGlvbkZvcm1hdCI6MCwiSW5jbHVkZU5vbldvcmtpbmdEYXlzSW5EdXJhdGlvbiI6ZmFsc2UsIlBlcmNlbnRhZ2VDb21wbGV0ZVN0eWxlIjp7IiRpZCI6IjYzOSIsIkZvbnRTZXR0aW5ncyI6eyIkaWQiOiI2NDAiLCJGb250U2l6ZSI6MTAsIkZvbnROYW1lIjoiQ2FsaWJyaSIsIklzQm9sZCI6ZmFsc2UsIklzSXRhbGljIjpmYWxzZSwiSXNVbmRlcmxpbmVkIjpmYWxzZSwiUGFyZW50U3R5bGUiOm51bGx9LCJBdXRvU2l6ZSI6MCwiRm9yZWdyb3VuZCI6eyIkcmVmIjoiMTAifSwiTWF4V2lkdGgiOjIwMC4wLCJNYXhIZWlnaHQiOiJJbmZpbml0eSIsIlNtYXJ0Rm9yZWdyb3VuZElzQWN0aXZlIjpmYWxzZSwiSG9yaXpvbnRhbEFsaWdubWVudCI6MCwiVmVydGljYWxBbGlnbm1lbnQiOjAsIlNtYXJ0Rm9yZWdyb3VuZCI6bnVsbCwiQmFja2dyb3VuZEZpbGxUeXBlIjowLCJNYXJnaW4iOnsiJHJlZiI6IjEyIn0sIlBhZGRpbmciOnsiJHJlZiI6IjEzIn0sIkJhY2tncm91bmQiOnsiJHJlZiI6IjE0In0sIklzVmlzaWJsZSI6dHJ1ZSwiV2lkdGgiOjAuMCwiSGVpZ2h0IjowLjAsIkJvcmRlclN0eWxlIjpudWxsLCJQYXJlbnRTdHlsZSI6bnVsbH0sIkR1cmF0aW9uU3R5bGUiOnsiJGlkIjoiNjQxIiwiRm9udFNldHRpbmdzIjp7IiRpZCI6IjY0MiIsIkZvbnRTaXplIjoxMCwiRm9udE5hbWUiOiJDYWxpYnJpIiwiSXNCb2xkIjpmYWxzZSwiSXNJdGFsaWMiOmZhbHNlLCJJc1VuZGVybGluZWQiOmZhbHNlLCJQYXJlbnRTdHlsZSI6bnVsbH0sIkF1dG9TaXplIjowLCJGb3JlZ3JvdW5kIjp7IiRyZWYiOiIxOSJ9LCJNYXhXaWR0aCI6MjAwLjAsIk1heEhlaWdodCI6IkluZmluaXR5IiwiU21hcnRGb3JlZ3JvdW5kSXNBY3RpdmUiOmZhbHNlLCJIb3Jpem9udGFsQWxpZ25tZW50IjowLCJWZXJ0aWNhbEFsaWdubWVudCI6MCwiU21hcnRGb3JlZ3JvdW5kIjpudWxsLCJCYWNrZ3JvdW5kRmlsbFR5cGUiOjAsIk1hcmdpbiI6eyIkcmVmIjoiMjEifSwiUGFkZGluZyI6eyIkcmVmIjoiMjIifSwiQmFja2dyb3VuZCI6eyIkcmVmIjoiMjMifSwiSXNWaXNpYmxlIjp0cnVlLCJXaWR0aCI6MC4wLCJIZWlnaHQiOjAuMCwiQm9yZGVyU3R5bGUiOm51bGwsIlBhcmVudFN0eWxlIjpudWxsfSwiSG9yaXpvbnRhbENvbm5lY3RvclN0eWxlIjp7IiRpZCI6IjY0MyIsIkxpbmVDb2xvciI6eyIkcmVmIjoiMjYifSwiTGluZVdlaWdodCI6MS4wLCJMaW5lVHlwZSI6MCwiUGFyZW50U3R5bGUiOm51bGx9LCJWZXJ0aWNhbENvbm5lY3RvclN0eWxlIjp7IiRpZCI6IjY0NCIsIkxpbmVDb2xvciI6eyIkcmVmIjoiMjkifSwiTGluZVdlaWdodCI6MC4wLCJMaW5lVHlwZSI6MCwiUGFyZW50U3R5bGUiOm51bGx9LCJNYXJnaW4iOm51bGwsIlN0YXJ0RGF0ZVBvc2l0aW9uIjozLCJFbmREYXRlUG9zaXRpb24iOjQsIkRhdGVJc1Zpc2libGUiOnRydWUsIlRpdGxlUG9zaXRpb24iOjIsIkR1cmF0aW9uUG9zaXRpb24iOjYsIlBlcmNlbnRhZ2VDb21wbGV0ZWRQb3NpdGlvbiI6NiwiU3BhY2luZyI6NSwiSXNCZWxvd1RpbWViYW5kIjp0cnVlLCJQZXJjZW50YWdlQ29tcGxldGVTaGFwZU9wYWNpdHkiOjM1LCJTaGFwZVN0eWxlIjp7IiRpZCI6IjY0NSIsIk1hcmdpbiI6eyIkcmVmIjoiMzIifSwiUGFkZGluZyI6eyIkcmVmIjoiMzMifSwiQmFja2dyb3VuZCI6eyIkaWQiOiI2NDYiLCJDb2xvciI6eyIkaWQiOiI2NDciLCJBIjoyNTUsIlIiOjAsIkciOjExNCwiQiI6MTg4fX0sIklzVmlzaWJsZSI6dHJ1ZSwiV2lkdGgiOjAuMCwiSGVpZ2h0IjoxNi4wLCJCb3JkZXJTdHlsZSI6eyIkaWQiOiI2NDgiLCJMaW5lQ29sb3IiOnsiJGlkIjoiNjQ5IiwiJHR5cGUiOiJOTFJFLkNvbW1vbi5Eb20uU29saWRDb2xvckJydXNoLCBOTFJFLkNvbW1vbiIsIkNvbG9yIjp7IiRpZCI6IjY1MCIsIkEiOjI1NSwiUiI6MjU1LCJHIjowLCJCIjowfX0sIkxpbmVXZWlnaHQiOjAuMCwiTGluZVR5cGUiOjAsIlBhcmVudFN0eWxlIjpudWxsfSwiUGFyZW50U3R5bGUiOm51bGx9LCJUaXRsZVN0eWxlIjp7IiRpZCI6IjY1MSIsIkZvbnRTZXR0aW5ncyI6eyIkaWQiOiI2NTIiLCJGb250U2l6ZSI6MTEsIkZvbnROYW1lIjoiQ2FsaWJyaSIsIklzQm9sZCI6dHJ1ZSwiSXNJdGFsaWMiOmZhbHNlLCJJc1VuZGVybGluZWQiOmZhbHNlLCJQYXJlbnRTdHlsZSI6bnVsbH0sIkF1dG9TaXplIjowLCJGb3JlZ3JvdW5kIjp7IiRpZCI6IjY1MyIsIkNvbG9yIjp7IiRpZCI6IjY1NCIsIkEiOjI1NSwiUiI6MCwiRyI6MCwiQiI6MH19LCJNYXhXaWR0aCI6OTYwLjAsIk1heEhlaWdodCI6IkluZmluaXR5IiwiU21hcnRGb3JlZ3JvdW5kSXNBY3RpdmUiOmZhbHNlLCJIb3Jpem9udGFsQWxpZ25tZW50IjoxLCJWZXJ0aWNhbEFsaWdubWVudCI6MCwiU21hcnRGb3JlZ3JvdW5kIjpudWxsLCJCYWNrZ3JvdW5kRmlsbFR5cGUiOjAsIk1hcmdpbiI6eyIkcmVmIjoiNDMifSwiUGFkZGluZyI6eyIkcmVmIjoiNDQifSwiQmFja2dyb3VuZCI6eyIkaWQiOiI2NTUiLCJDb2xvciI6eyIkcmVmIjoiMTUifX0sIklzVmlzaWJsZSI6dHJ1ZSwiV2lkdGgiOjAuMCwiSGVpZ2h0IjowLjAsIkJvcmRlclN0eWxlIjpudWxsLCJQYXJlbnRTdHlsZSI6bnVsbH0sIkRhdGVTdHlsZSI6eyIkaWQiOiI2NTYiLCJGb250U2V0dGluZ3MiOnsiJGlkIjoiNjU3IiwiRm9udFNpemUiOjEwLCJGb250TmFtZSI6IkNhbGlicmkiLCJJc0JvbGQiOmZhbHNlLCJJc0l0YWxpYyI6ZmFsc2UsIklzVW5kZXJsaW5lZCI6ZmFsc2UsIlBhcmVudFN0eWxlIjpudWxsfSwiQXV0b1NpemUiOjAsIkZvcmVncm91bmQiOnsiJGlkIjoiNjU4IiwiQ29sb3IiOnsiJGlkIjoiNjU5IiwiQSI6MjU1LCJSIjo2OCwiRyI6ODQsIkIiOjEwNn19LCJNYXhXaWR0aCI6MjAwLjAsIk1heEhlaWdodCI6IkluZmluaXR5IiwiU21hcnRGb3JlZ3JvdW5kSXNBY3RpdmUiOmZhbHNlLCJIb3Jpem9udGFsQWxpZ25tZW50IjoxLCJWZXJ0aWNhbEFsaWdubWVudCI6MCwiU21hcnRGb3JlZ3JvdW5kIjpudWxsLCJCYWNrZ3JvdW5kRmlsbFR5cGUiOjAsIk1hcmdpbiI6eyIkcmVmIjoiNTIifSwiUGFkZGluZyI6eyIkcmVmIjoiNTMifSwiQmFja2dyb3VuZCI6eyIkaWQiOiI2NjAiLCJDb2xvciI6eyIkcmVmIjoiMTUifX0sIklzVmlzaWJsZSI6dHJ1ZSwiV2lkdGgiOjAuMCwiSGVpZ2h0IjowLjAsIkJvcmRlclN0eWxlIjpudWxsLCJQYXJlbnRTdHlsZSI6bnVsbH0sIkRhdGVGb3JtYXQiOnsiJGlkIjoiNjYxIiwiRm9ybWF0U3RyaW5nIjoiTU1NIGQiLCJTZXBhcmF0b3IiOiIvIiwiVXNlSW50ZXJuYXRpb25hbERhdGVGb3JtYXQiOmZhbHNlLCJEYXRlSXNWaXNpYmxlIjp0cnVlLCJUaW1lSXNWaXNpYmxlIjpmYWxzZSwiSG91ckRpZ2l0cyI6MSwiQW1QbURlc2lnbmF0b3IiOjIsIlRyaW0wME1pbnV0ZXMiOmZhbHNlLCJMYXN0S25vd25WaXNpYmlsaXR5U3RhdGUiOm51bGx9LCJXZWVrTnVtYmVyaW5nIjp7IiRpZCI6IjY2MiIsIkZvcm1hdCI6MCwiSXNWaXNpYmxlIjpmYWxzZSwiTGFzdEtub3duVmlzaWJpbGl0eVN0YXRlIjpmYWxzZX0sIklzVmlzaWJsZSI6dHJ1ZSwiUGFyZW50U3R5bGUiOm51bGwsIl9leHBsaWNpdGx5U2V0Ijp7IiRpZCI6IjY2MyIsIlNoYXBlU3R5bGUiOmZhbHNlLCJUaXRsZVN0eWxlIjpmYWxzZSwiRGF0ZVN0eWxlIjpmYWxzZSwiSG9yaXpvbnRhbENvbm5lY3RvclN0eWxlIjpmYWxzZSwiVmVydGljYWxDb25uZWN0b3JTdHlsZSI6ZmFsc2UsIlBlcmNlbnRhZ2VDb21wbGV0ZVNoYXBlT3BhY2l0eSI6ZmFsc2UsIlNoYXBlIjpmYWxzZSwiU2hhcGVUaGlja25lc3MiOmZhbHNlLCJEdXJhdGlvbkZvcm1hdCI6ZmFsc2UsIkluY2x1ZGVOb25Xb3JraW5nRGF5c0luRHVyYXRpb24iOmZhbHNlLCJNYXJnaW4iOmZhbHNlLCJTdGFydERhdGVQb3NpdGlvbiI6ZmFsc2UsIkVuZERhdGVQb3NpdGlvbiI6ZmFsc2UsIlRpdGxlUG9zaXRpb24iOmZhbHNlLCJEdXJhdGlvblBvc2l0aW9uIjpmYWxzZSwiUGVyY2VudGFnZUNvbXBsZXRlZFBvc2l0aW9uIjpmYWxzZSwiU3BhY2luZyI6ZmFsc2UsIklzQmVsb3dUaW1lYmFuZCI6ZmFsc2UsIkRhdGVGb3JtYXQiOmZhbHNlLCJXZWVrTnVtYmVyaW5nIjpmYWxzZSwiSXNWaXNpYmxlIjpmYWxzZX19LCJHcmlkbGluZVBhbmVsU3R5bGUiOnsiJGlkIjoiNjY0IiwiR3JpZGxpbmVTdHlsZSI6eyIkaWQiOiI2NjUiLCJMaW5lQ29sb3IiOnsiJGlkIjoiNjY2IiwiJHR5cGUiOiJOTFJFLkNvbW1vbi5Eb20uU29saWRDb2xvckJydXNoLCBOTFJFLkNvbW1vbiIsIkNvbG9yIjp7IiRpZCI6IjY2NyIsIkEiOjM4LCJSIjo5MSwiRyI6MTU1LCJCIjoyMTN9fSwiTGluZVdlaWdodCI6MS4wLCJMaW5lVHlwZSI6MCwiUGFyZW50U3R5bGUiOm51bGx9LCJNYXJnaW4iOnsiJGlkIjoiNjY4IiwiVG9wIjowLjAsIkxlZnQiOjAuMCwiUmlnaHQiOjAuMCwiQm90dG9tIjowLjB9LCJQYWRkaW5nIjp7IiRpZCI6IjY2OSIsIlRvcCI6MC4wLCJMZWZ0IjowLjAsIlJpZ2h0IjowLjAsIkJvdHRvbSI6MC4wfSwiQmFja2dyb3VuZCI6bnVsbCwiSXNWaXNpYmxlIjp0cnVlLCJXaWR0aCI6MC4wLCJIZWlnaHQiOjAuMCwiQm9yZGVyU3R5bGUiOnsiJGlkIjoiNjcwIiwiTGluZUNvbG9yIjpudWxsLCJMaW5lV2VpZ2h0IjowLjAsIkxpbmVUeXBlIjowLCJQYXJlbnRTdHlsZSI6bnVsbH0sIlBhcmVudFN0eWxlIjpudWxsfSwiQWN0aXZpdHlMaW5lUGFuZWxTdHlsZSI6eyIkaWQiOiI2NzEiLCJBY3Rpdml0eUxpbmVTdHlsZSI6eyIkaWQiOiI2NzIiLCJMaW5lQ29sb3IiOnsiJGlkIjoiNjczIiwiJHR5cGUiOiJOTFJFLkNvbW1vbi5Eb20uU29saWRDb2xvckJydXNoLCBOTFJFLkNvbW1vbiIsIkNvbG9yIjp7IiRpZCI6IjY3NCIsIkEiOjM4LCJSIjo2OCwiRyI6MTE0LCJCIjoxOTZ9fSwiTGluZVdlaWdodCI6MS4wLCJMaW5lVHlwZSI6MCwiUGFyZW50U3R5bGUiOm51bGx9LCJNYXJnaW4iOnsiJGlkIjoiNjc1IiwiVG9wIjowLjAsIkxlZnQiOjAuMCwiUmlnaHQiOjAuMCwiQm90dG9tIjowLjB9LCJQYWRkaW5nIjp7IiRpZCI6IjY3NiIsIlRvcCI6MC4wLCJMZWZ0IjowLjAsIlJpZ2h0IjowLjAsIkJvdHRvbSI6MC4wfSwiQmFja2dyb3VuZCI6bnVsbCwiSXNWaXNpYmxlIjp0cnVlLCJXaWR0aCI6MC4wLCJIZWlnaHQiOjAuMCwiQm9yZGVyU3R5bGUiOnsiJGlkIjoiNjc3IiwiTGluZUNvbG9yIjpudWxsLCJMaW5lV2VpZ2h0IjowLjAsIkxpbmVUeXBlIjowLCJQYXJlbnRTdHlsZSI6bnVsbH0sIlBhcmVudFN0eWxlIjpudWxsfSwiU2hvd0VsYXBzZWRUaW1lR3JhZGllbnRTdHlsZSI6ZmFsc2UsIlRpbWViYW5kUmVzZXJ2ZWRMZWZ0QXJlYVN0eWxlIjp7IiRpZCI6IjY3OCIsIkFjdGl2aXR5SGVhZGVyV2lkdGgiOjc2LjAsIklzU2V0IjpmYWxzZX0sIkRlZmF1bHRTd2ltbGFuZVN0eWxlIjpudWxsfSwiU2NhbGUiOm51bGwsIlNjYWxlVjIiOnsiJGlkIjoiNjc5IiwiU3RhcnREYXRlIjoiMDAwMS0wMS0wMVQwMDowMDowMCIsIkVuZERhdGUiOiIyMDIyLTA2LTMwVDIzOjU5OjAwIiwiQXV0b0RhdGVSYW5nZSI6dHJ1ZSwiV29ya2luZ0RheXMiOjMxLCJGaXNjYWxZZWFyIjp7IiRpZCI6IjY4MCIsIlN0YXJ0TW9udGgiOjEsIlVzZVN0YXJ0aW5nWWVhckZvck51bWJlcmluZyI6dHJ1ZSwiU2hvd0Zpc2NhbFllYXJMYWJlbCI6dHJ1ZX0sIlRvZGF5TWFya2VyVGV4dCI6IlRvZGF5IiwiQXV0b1NjYWxlVHlwZSI6dHJ1ZSwiVGltZWJhbmRTY2FsZXMiOnsiJGlkIjoiNjgxIiwiVG9wU2NhbGVMYXllciI6eyIkaWQiOiI2ODIiLCJGb3JtYXQiOiJkIiwiVHlwZSI6MH0sIk1pZGRsZVNjYWxlTGF5ZXIiOnsiJGlkIjoiNjgzIiwiRm9ybWF0IjpudWxsLCJUeXBlIjowfSwiQm90dG9tU2NhbGVMYXllciI6eyIkaWQiOiI2ODQiLCJGb3JtYXQiOm51bGwsIlR5cGUiOjB9fX0sIk1pbGVzdG9uZXMiOltdLCJUYXNrcyI6W10sIlN3aW1sYW5lcyI6W10sIk1zUHJvamVjdEl0ZW1zVHJlZSI6eyIkaWQiOiI2ODUiLCJSb290Ijp7IkltcG9ydElkIjpudWxsLCJJc0ltcG9ydGVkIjpmYWxzZSwiQ2hpbGRyZW4iOltdfX0sIk1ldGFkYXRhIjp7IiRpZCI6IjY4NiIsIlNvdXJjZVRlbXBsYXRlIjoie1wiJGlkXCI6XCIxXCIsXCJJZFwiOlwiYzExZjZmNDktN2RiOC00NWZkLWJhMzItYmZjYWVhNDkyZjM5XCIsXCJDdWx0dXJlSW5mb05hbWVcIjpcImVuLVVTXCIsXCJWZXJzaW9uXCI6e1wiJGlkXCI6XCIyXCIsXCJUZW1wbGF0ZURvbVZlcnNpb25cIjpcIjEuMi4wXCJ9LFwiRWZmZWN0XCI6MSxcIlN0eWxlXCI6e1wiJGlkXCI6XCIzXCIsXCJUaW1lYmFuZFN0eWxlXCI6e1wiJGlkXCI6XCI0XCIsXCJTY2FsZU1hcmtpbmdcIjowLFwiU2hhcGVcIjoxMyxcIlNoYXBlU3R5bGVcIjp7XCIkaWRcIjpcIjVcIixcIk1hcmdpblwiOntcIiRpZFwiOlwiNlwiLFwiVG9wXCI6MC4wLFwiTGVmdFwiOjEwLjAsXCJSaWdodFwiOjEwLjAsXCJCb3R0b21cIjowLjB9LFwiUGFkZGluZ1wiOntcIiRpZFwiOlwiN1wiLFwiVG9wXCI6NS4wLFwiTGVmdFwiOjEzLjAsXCJSaWdodFwiOjEzLjAsXCJCb3R0b21cIjo1LjB9LFwiQmFja2dyb3VuZFwiOntcIiRpZFwiOlwiOFwiLFwiQ29sb3JcIjp7XCIkaWRcIjpcIjlcIixcIkFcIjoyNTUsXCJSXCI6NjgsXCJHXCI6ODQsXCJCXCI6MTA2fX0sXCJJc1Zpc2libGVcIjp0cnVlLFwiV2lkdGhcIjo4NTguMCxcIkhlaWdodFwiOjMwLjAsXCJCb3JkZXJTdHlsZVwiOntcIiRpZFwiOlwiMTBcIixcIkxpbmVDb2xvclwiOntcIiRpZFwiOlwiMTFcIixcIiR0eXBlXCI6XCJOTFJFLkNvbW1vbi5Eb20uU29saWRDb2xvckJydXNoLCBOTFJFLkNvbW1vblwiLFwiQ29sb3JcIjp7XCIkaWRcIjpcIjEyXCIsXCJBXCI6MjU1LFwiUlwiOjI1NSxcIkdcIjowLFwiQlwiOjB9fSxcIkxpbmVXZWlnaHRcIjowLjAsXCJMaW5lVHlwZVwiOjB9fSxcIk1pZGRsZVRpZXJTaGFwZVN0eWxlXCI6e1wiJGlkXCI6XCIxM1wiLFwiTWFyZ2luXCI6e1wiJGlkXCI6XCIxNFwiLFwiVG9wXCI6MC4wLFwiTGVmdFwiOjEwLjAsXCJSaWdodFwiOjEwLjAsXCJCb3R0b21cIjowLjB9LFwiUGFkZGluZ1wiOntcIiRpZFwiOlwiMTVcIixcIlRvcFwiOjUuMCxcIkxlZnRcIjoxMy4wLFwiUmlnaHRcIjoxMy4wLFwiQm90dG9tXCI6NS4wfSxcIkJhY2tncm91bmRcIjp7XCIkaWRcIjpcIjE2XCIsXCJDb2xvclwiOntcIiRpZFwiOlwiMTdcIixcIkFcIjoyNTUsXCJSXCI6NjgsXCJHXCI6ODQsXCJCXCI6MTA2fX0sXCJJc1Zpc2libGVcIjp0cnVlLFwiV2lkdGhcIjo4NTguMCxcIkhlaWdodFwiOjMwLjAsXCJCb3JkZXJTdHlsZVwiOntcIiRpZFwiOlwiMThcIixcIkxpbmVDb2xvclwiOntcIiRpZFwiOlwiMTlcIixcIiR0eXBlXCI6XCJOTFJFLkNvbW1vbi5Eb20uU29saWRDb2xvckJydXNoLCBOTFJFLkNvbW1vblwiLFwiQ29sb3JcIjp7XCIkaWRcIjpcIjIwXCIsXCJBXCI6MjU1LFwiUlwiOjI1NSxcIkdcIjowLFwiQlwiOjB9fSxcIkxpbmVXZWlnaHRcIjowLjAsXCJMaW5lVHlwZVwiOjB9fSxcIkJvdHRvbVRpZXJTaGFwZVN0eWxlXCI6e1wiJGlkXCI6XCIyMVwiLFwiTWFyZ2luXCI6e1wiJGlkXCI6XCIyMlwiLFwiVG9wXCI6MC4wLFwiTGVmdFwiOjEwLjAsXCJSaWdodFwiOjEwLjAsXCJCb3R0b21cIjowLjB9LFwiUGFkZGluZ1wiOntcIiRpZFwiOlwiMjNcIixcIlRvcFwiOjUuMCxcIkxlZnRcIjoxMy4wLFwiUmlnaHRcIjoxMy4wLFwiQm90dG9tXCI6NS4wfSxcIkJhY2tncm91bmRcIjp7XCIkaWRcIjpcIjI0XCIsXCJDb2xvclwiOntcIiRpZFwiOlwiMjVcIixcIkFcIjoyNTUsXCJSXCI6NjgsXCJHXCI6ODQsXCJCXCI6MTA2fX0sXCJJc1Zpc2libGVcIjp0cnVlLFwiV2lkdGhcIjo4NTguMCxcIkhlaWdodFwiOjMwLjAsXCJCb3JkZXJTdHlsZVwiOntcIiRpZFwiOlwiMjZcIixcIkxpbmVDb2xvclwiOntcIiRpZFwiOlwiMjdcIixcIiR0eXBlXCI6XCJOTFJFLkNvbW1vbi5Eb20uU29saWRDb2xvckJydXNoLCBOTFJFLkNvbW1vblwiLFwiQ29sb3JcIjp7XCIkaWRcIjpcIjI4XCIsXCJBXCI6MjU1LFwiUlwiOjI1NSxcIkdcIjowLFwiQlwiOjB9fSxcIkxpbmVXZWlnaHRcIjowLjAsXCJMaW5lVHlwZVwiOjB9fSxcIlJpZ2h0RW5kQ2Fwc1N0eWxlXCI6e1wiJGlkXCI6XCIyOVwiLFwiRm9udFNldHRpbmdzXCI6e1wiJGlkXCI6XCIzMFwiLFwiRm9udFNpemVcIjoxOCxcIkZvbnROYW1lXCI6XCJDYWxpYnJpXCIsXCJJc0JvbGRcIjp0cnVlLFwiSXNJdGFsaWNcIjpmYWxzZSxcIklzVW5kZXJsaW5lZFwiOmZhbHNlfSxcIkF1dG9TaXplXCI6MCxcIkZvcmVncm91bmRcIjp7XCIkaWRcIjpcIjMxXCIsXCJDb2xvclwiOntcIiRpZFwiOlwiMzJcIixcIkFcIjoyNTUsXCJSXCI6MjM3LFwiR1wiOjEyNSxcIkJcIjo0OX19LFwiQmFja2dyb3VuZEZpbGxUeXBlXCI6MCxcIk1heFdpZHRoXCI6XCJJbmZpbml0eVwiLFwiTWF4SGVpZ2h0XCI6XCJJbmZpbml0eVwiLFwiU21hcnRGb3JlZ3JvdW5kSXNBY3RpdmVcIjpmYWxzZSxcIkhvcml6b250YWxBbGlnbm1lbnRcIjowLFwiVmVydGljYWxBbGlnbm1lbnRcIjowLFwiU21hcnRGb3JlZ3JvdW5kXCI6bnVsbCxcIk1hcmdpblwiOntcIiRpZFwiOlwiMzNcIixcIlRvcFwiOjAuMCxcIkxlZnRcIjowLjAsXCJSaWdodFwiOjIwLjAsXCJCb3R0b21cIjowLjB9LFwiUGFkZGluZ1wiOntcIiRpZFwiOlwiMzRcIixcIlRvcFwiOjAuMCxcIkxlZnRcIjowLjAsXCJSaWdodFwiOjAuMCxcIkJvdHRvbVwiOjAuMH0sXCJCYWNrZ3JvdW5kXCI6e1wiJGlkXCI6XCIzNVwiLFwiQ29sb3JcIjp7XCIkaWRcIjpcIjM2XCIsXCJBXCI6MCxcIlJcIjowLFwiR1wiOjAsXCJCXCI6MH19LFwiSXNWaXNpYmxlXCI6dHJ1ZSxcIldpZHRoXCI6MC4wLFwiSGVpZ2h0XCI6MC4wLFwiQm9yZGVyU3R5bGVcIjpudWxsfSxcIkxlZnRFbmRDYXBzU3R5bGVcIjp7XCIkaWRcIjpcIjM3XCIsXCJGb250U2V0dGluZ3NcIjp7XCIkaWRcIjpcIjM4XCIsXCJGb250U2l6ZVwiOjE4LFwiRm9udE5hbWVcIjpcIkNhbGlicmlcIixcIklzQm9sZFwiOnRydWUsXCJJc0l0YWxpY1wiOmZhbHNlLFwiSXNVbmRlcmxpbmVkXCI6ZmFsc2V9LFwiQXV0b1NpemVcIjowLFwiRm9yZWdyb3VuZFwiOntcIiRpZFwiOlwiMzlcIixcIkNvbG9yXCI6e1wiJGlkXCI6XCI0MFwiLFwiQVwiOjI1NSxcIlJcIjoyMzcsXCJHXCI6MTI1LFwiQlwiOjQ5fX0sXCJCYWNrZ3JvdW5kRmlsbFR5cGVcIjowLFwiTWF4V2lkdGhcIjpcIkluZmluaXR5XCIsXCJNYXhIZWlnaHRcIjpcIkluZmluaXR5XCIsXCJTbWFydEZvcmVncm91bmRJc0FjdGl2ZVwiOmZhbHNlLFwiSG9yaXpvbnRhbEFsaWdubWVudFwiOjAsXCJWZXJ0aWNhbEFsaWdubWVudFwiOjAsXCJTbWFydEZvcmVncm91bmRcIjpudWxsLFwiTWFyZ2luXCI6e1wiJGlkXCI6XCI0MVwiLFwiVG9wXCI6MC4wLFwiTGVmdFwiOjIwLjAsXCJSaWdodFwiOjAuMCxcIkJvdHRvbVwiOjAuMH0sXCJQYWRkaW5nXCI6e1wiJGlkXCI6XCI0MlwiLFwiVG9wXCI6MC4wLFwiTGVmdFwiOjAuMCxcIlJpZ2h0XCI6MC4wLFwiQm90dG9tXCI6MC4wfSxcIkJhY2tncm91bmRcIjp7XCIkaWRcIjpcIjQzXCIsXCJDb2xvclwiOntcIiRyZWZcIjpcIjM2XCJ9fSxcIklzVmlzaWJsZVwiOmZhbHNlLFwiV2lkdGhcIjowLjAsXCJIZWlnaHRcIjowLjAsXCJCb3JkZXJTdHlsZVwiOm51bGx9LFwiVG9kYXlUZXh0U3R5bGVcIjp7XCIkaWRcIjpcIjQ0XCIsXCJGb250U2V0dGluZ3NcIjp7XCIkaWRcIjpcIjQ1XCIsXCJGb250U2l6ZVwiOjEyLFwiRm9udE5hbWVcIjpcIkNhbGlicmlcIixcIklzQm9sZFwiOmZhbHNlLFwiSXNJdGFsaWNcIjpmYWxzZSxcIklzVW5kZXJsaW5lZFwiOmZhbHNlfSxcIkF1dG9TaXplXCI6MCxcIkZvcmVncm91bmRcIjp7XCIkaWRcIjpcIjQ2XCIsXCJDb2xvclwiOntcIiRpZFwiOlwiNDdcIixcIkFcIjoyNTUsXCJSXCI6MCxcIkdcIjowLFwiQlwiOjB9fSxcIkJhY2tncm91bmRGaWxsVHlwZVwiOjAsXCJNYXhXaWR0aFwiOjIwMC4wLFwiTWF4SGVpZ2h0XCI6XCJJbmZpbml0eVwiLFwiU21hcnRGb3JlZ3JvdW5kSXNBY3RpdmVcIjpmYWxzZSxcIkhvcml6b250YWxBbGlnbm1lbnRcIjowLFwiVmVydGljYWxBbGlnbm1lbnRcIjowLFwiU21hcnRGb3JlZ3JvdW5kXCI6bnVsbCxcIk1hcmdpblwiOntcIiRpZFwiOlwiNDhcIixcIlRvcFwiOjAuMCxcIkxlZnRcIjowLjAsXCJSaWdodFwiOjAuMCxcIkJvdHRvbVwiOjAuMH0sXCJQYWRkaW5nXCI6e1wiJGlkXCI6XCI0OVwiLFwiVG9wXCI6MC4wLFwiTGVmdFwiOjAuMCxcIlJpZ2h0XCI6MC4wLFwiQm90dG9tXCI6MC4wfSxcIkJhY2tncm91bmRcIjp7XCIkaWRcIjpcIjUwXCIsXCJDb2xvclwiOntcIiRyZWZcIjpcIjM2XCJ9fSxcIklzVmlzaWJsZVwiOnRydWUsXCJXaWR0aFwiOjAuMCxcIkhlaWdodFwiOjAuMCxcIkJvcmRlclN0eWxlXCI6bnVsbH0sXCJUb2RheU1hcmtlclN0eWxlXCI6e1wiJGlkXCI6XCI1MVwiLFwiTWFyZ2luXCI6e1wiJGlkXCI6XCI1MlwiLFwiVG9wXCI6MC4wLFwiTGVmdFwiOjAuMCxcIlJpZ2h0XCI6MC4wLFwiQm90dG9tXCI6MC4wfSxcIlBhZGRpbmdcIjp7XCIkaWRcIjpcIjUzXCIsXCJUb3BcIjowLjAsXCJMZWZ0XCI6MC4wLFwiUmlnaHRcIjowLjAsXCJCb3R0b21cIjowLjB9LFwiQmFja2dyb3VuZFwiOntcIiRpZFwiOlwiNTRcIixcIkNvbG9yXCI6e1wiJGlkXCI6XCI1NVwiLFwiQVwiOjI1NSxcIlJcIjoyNTUsXCJHXCI6MCxcIkJcIjowfX0sXCJJc1Zpc2libGVcIjp0cnVlLFwiV2lkdGhcIjowLjAsXCJIZWlnaHRcIjowLjAsXCJCb3JkZXJTdHlsZVwiOm51bGx9LFwiU2NhbGVTdHlsZVwiOntcIiRpZFwiOlwiNTZcIixcIlNob3dTZWdtZW50U2VwYXJhdG9yc1wiOnRydWUsXCJTZWdtZW50U2VwYXJhdG9yT3BhY2l0eVwiOjMwLFwiU2hhcGVcIjo0LFwiSGFzQmVlblZpc2libGVCZWZvcmVcIjp0cnVlLFwiRm9udFNldHRpbmdzXCI6e1wiJGlkXCI6XCI1N1wiLFwiRm9udFNpemVcIjoxMixcIkZvbnROYW1lXCI6XCJDYWxpYnJpXCIsXCJJc0JvbGRcIjpmYWxzZSxcIklzSXRhbGljXCI6ZmFsc2UsXCJJc1VuZGVybGluZWRcIjpmYWxzZX0sXCJBdXRvU2l6ZVwiOjAsXCJGb3JlZ3JvdW5kXCI6e1wiJGlkXCI6XCI1OFwiLFwiQ29sb3JcIjp7XCIkaWRcIjpcIjU5XCIsXCJBXCI6MjU1LFwiUlwiOjI1NSxcIkdcIjoyNTUsXCJCXCI6MjU1fX0sXCJCYWNrZ3JvdW5kRmlsbFR5cGVcIjowLFwiTWF4V2lkdGhcIjoyMDAuMCxcIk1heEhlaWdodFwiOlwiSW5maW5pdHlcIixcIlNtYXJ0Rm9yZWdyb3VuZElzQWN0aXZlXCI6ZmFsc2UsXCJIb3Jpem9udGFsQWxpZ25tZW50XCI6MCxcIlZlcnRpY2FsQWxpZ25tZW50XCI6MSxcIlNtYXJ0Rm9yZWdyb3VuZFwiOm51bGwsXCJNYXJnaW5cIjp7XCIkaWRcIjpcIjYwXCIsXCJUb3BcIjowLjAsXCJMZWZ0XCI6NS4wLFwiUmlnaHRcIjowLjAsXCJCb3R0b21cIjowLjB9LFwiUGFkZGluZ1wiOntcIiRpZFwiOlwiNjFcIixcIlRvcFwiOjAuMCxcIkxlZnRcIjowLjAsXCJSaWdodFwiOjAuMCxcIkJvdHRvbVwiOjAuMH0sXCJCYWNrZ3JvdW5kXCI6e1wiJGlkXCI6XCI2MlwiLFwiQ29sb3JcIjp7XCIkcmVmXCI6XCIzNlwifX0sXCJJc1Zpc2libGVcIjp0cnVlLFwiV2lkdGhcIjowLjAsXCJIZWlnaHRcIjowLjAsXCJCb3JkZXJTdHlsZVwiOm51bGx9LFwiTWlkZGxlVGllclNjYWxlU3R5bGVcIjp7XCIkaWRcIjpcIjYzXCIsXCJTaG93U2VnbWVudFNlcGFyYXRvcnNcIjp0cnVlLFwiU2VnbWVudFNlcGFyYXRvck9wYWNpdHlcIjozMCxcIlNoYXBlXCI6NCxcIkhhc0JlZW5WaXNpYmxlQmVmb3JlXCI6ZmFsc2UsXCJGb250U2V0dGluZ3NcIjp7XCIkaWRcIjpcIjY0XCIsXCJGb250U2l6ZVwiOjEyLFwiRm9udE5hbWVcIjpcIkNhbGlicmlcIixcIklzQm9sZFwiOmZhbHNlLFwiSXNJdGFsaWNcIjpmYWxzZSxcIklzVW5kZXJsaW5lZFwiOmZhbHNlfSxcIkF1dG9TaXplXCI6MCxcIkZvcmVncm91bmRcIjp7XCIkaWRcIjpcIjY1XCIsXCJDb2xvclwiOntcIiRpZFwiOlwiNjZcIixcIkFcIjoyNTUsXCJSXCI6MjU1LFwiR1wiOjI1NSxcIkJcIjoyNTV9fSxcIkJhY2tncm91bmRGaWxsVHlwZVwiOjAsXCJNYXhXaWR0aFwiOjIwMC4wLFwiTWF4SGVpZ2h0XCI6XCJJbmZpbml0eVwiLFwiU21hcnRGb3JlZ3JvdW5kSXNBY3RpdmVcIjpmYWxzZSxcIkhvcml6b250YWxBbGlnbm1lbnRcIjowLFwiVmVydGljYWxBbGlnbm1lbnRcIjoxLFwiU21hcnRGb3JlZ3JvdW5kXCI6bnVsbCxcIk1hcmdpblwiOntcIiRpZFwiOlwiNjdcIixcIlRvcFwiOjAuMCxcIkxlZnRcIjo1LjAsXCJSaWdodFwiOjAuMCxcIkJvdHRvbVwiOjAuMH0sXCJQYWRkaW5nXCI6e1wiJGlkXCI6XCI2OFwiLFwiVG9wXCI6MC4wLFwiTGVmdFwiOjAuMCxcIlJpZ2h0XCI6MC4wLFwiQm90dG9tXCI6MC4wfSxcIkJhY2tncm91bmRcIjp7XCIkaWRcIjpcIjY5XCIsXCJDb2xvclwiOntcIiRpZFwiOlwiNzBcIixcIkFcIjowLFwiUlwiOjAsXCJHXCI6MCxcIkJcIjowfX0sXCJJc1Zpc2libGVcIjpmYWxzZSxcIldpZHRoXCI6MC4wLFwiSGVpZ2h0XCI6MC4wLFwiQm9yZGVyU3R5bGVcIjpudWxsfSxcIkJvdHRvbVRpZXJTY2FsZVN0eWxlXCI6e1wiJGlkXCI6XCI3MVwiLFwiU2hvd1NlZ21lbnRTZXBhcmF0b3JzXCI6dHJ1ZSxcIlNlZ21lbnRTZXBhcmF0b3JPcGFjaXR5XCI6MzAsXCJTaGFwZVwiOjQsXCJIYXNCZWVuVmlzaWJsZUJlZm9yZVwiOmZhbHNlLFwiRm9udFNldHRpbmdzXCI6e1wiJGlkXCI6XCI3MlwiLFwiRm9udFNpemVcIjoxMixcIkZvbnROYW1lXCI6XCJDYWxpYnJpXCIsXCJJc0JvbGRcIjpmYWxzZSxcIklzSXRhbGljXCI6ZmFsc2UsXCJJc1VuZGVybGluZWRcIjpmYWxzZX0sXCJBdXRvU2l6ZVwiOjAsXCJGb3JlZ3JvdW5kXCI6e1wiJGlkXCI6XCI3M1wiLFwiQ29sb3JcIjp7XCIkaWRcIjpcIjc0XCIsXCJBXCI6MjU1LFwiUlwiOjI1NSxcIkdcIjoyNTUsXCJCXCI6MjU1fX0sXCJCYWNrZ3JvdW5kRmlsbFR5cGVcIjowLFwiTWF4V2lkdGhcIjoyMDAuMCxcIk1heEhlaWdodFwiOlwiSW5maW5pdHlcIixcIlNtYXJ0Rm9yZWdyb3VuZElzQWN0aXZlXCI6ZmFsc2UsXCJIb3Jpem9udGFsQWxpZ25tZW50XCI6MCxcIlZlcnRpY2FsQWxpZ25tZW50XCI6MSxcIlNtYXJ0Rm9yZWdyb3VuZFwiOm51bGwsXCJNYXJnaW5cIjp7XCIkaWRcIjpcIjc1XCIsXCJUb3BcIjowLjAsXCJMZWZ0XCI6NS4wLFwiUmlnaHRcIjowLjAsXCJCb3R0b21cIjowLjB9LFwiUGFkZGluZ1wiOntcIiRpZFwiOlwiNzZcIixcIlRvcFwiOjAuMCxcIkxlZnRcIjowLjAsXCJSaWdodFwiOjAuMCxcIkJvdHRvbVwiOjAuMH0sXCJCYWNrZ3JvdW5kXCI6e1wiJGlkXCI6XCI3N1wiLFwiQ29sb3JcIjp7XCIkaWRcIjpcIjc4XCIsXCJBXCI6MCxcIlJcIjowLFwiR1wiOjAsXCJCXCI6MH19LFwiSXNWaXNpYmxlXCI6ZmFsc2UsXCJXaWR0aFwiOjAuMCxcIkhlaWdodFwiOjAuMCxcIkJvcmRlclN0eWxlXCI6bnVsbH0sXCJTaW5nbGVTY2FsZVNoYXBlU3R5bGVcIjpudWxsLFwiRWxhcHNlZFRpbWVCYWNrZ3JvdW5kXCI6e1wiJGlkXCI6XCI3OVwiLFwiQ29sb3JcIjp7XCIkaWRcIjpcIjgwXCIsXCJBXCI6NzcsXCJSXCI6MjU1LFwiR1wiOjAsXCJCXCI6MH19LFwiQXBwZW5kWWVhck9uWWVhckNoYW5nZVwiOnRydWUsXCJFbGFwc2VkVGltZUZvcm1hdFwiOjEsXCJUb2RheU1hcmtlclBvc2l0aW9uXCI6MyxcIlF1aWNrUG9zaXRpb25cIjoxLFwiQWJzb2x1dGVQb3NpdGlvblwiOjI0MC4wLFwiTWFyZ2luXCI6e1wiJGlkXCI6XCI4MVwiLFwiVG9wXCI6MC4wLFwiTGVmdFwiOjEwLjAsXCJSaWdodFwiOjEwLjAsXCJCb3R0b21cIjowLjB9LFwiUGFkZGluZ1wiOntcIiRpZFwiOlwiODJcIixcIlRvcFwiOjAuMCxcIkxlZnRcIjowLjAsXCJSaWdodFwiOjAuMCxcIkJvdHRvbVwiOjAuMH0sXCJCYWNrZ3JvdW5kXCI6e1wiJGlkXCI6XCI4M1wiLFwiQ29sb3JcIjp7XCIkaWRcIjpcIjg0XCIsXCJBXCI6MjU1LFwiUlwiOjExNSxcIkdcIjoxMTUsXCJCXCI6MTE1fX0sXCJJc1Zpc2libGVcIjp0cnVlLFwiV2lkdGhcIjowLjAsXCJIZWlnaHRcIjowLjAsXCJCb3JkZXJTdHlsZVwiOm51bGx9LFwiRGVmYXVsdE1pbGVzdG9uZVN0eWxlXCI6e1wiJGlkXCI6XCI4NVwiLFwiU2hhcGVcIjowLFwiQ29ubmVjdG9yTWFyZ2luXCI6e1wiJGlkXCI6XCI4NlwiLFwiVG9wXCI6MC4wLFwiTGVmdFwiOjIuMCxcIlJpZ2h0XCI6Mi4wLFwiQm90dG9tXCI6MC4wfSxcIkNvbm5lY3RvclN0eWxlXCI6e1wiJGlkXCI6XCI4N1wiLFwiTGluZUNvbG9yXCI6e1wiJGlkXCI6XCI4OFwiLFwiJHR5cGVcIjpcIk5MUkUuQ29tbW9uLkRvbS5Tb2xpZENvbG9yQnJ1c2gsIE5MUkUuQ29tbW9uXCIsXCJDb2xvclwiOntcIiRpZFwiOlwiODlcIixcIkFcIjoxMjcsXCJSXCI6MzEsXCJHXCI6NzMsXCJCXCI6MTI2fX0sXCJMaW5lV2VpZ2h0XCI6MS4wLFwiTGluZVR5cGVcIjowfSxcIklzQmVsb3dUaW1lYmFuZFwiOmZhbHNlLFwiSGlkZURhdGVcIjpmYWxzZSxcIlNoYXBlU2l6ZVwiOjEsXCJTcGFjaW5nXCI6Mi4wLFwiUGFkZGluZ1wiOntcIiRpZFwiOlwiOTBcIixcIlRvcFwiOjcuMCxcIkxlZnRcIjozLjAsXCJSaWdodFwiOjAuMCxcIkJvdHRvbVwiOjIuMH0sXCJQb3NpdGlvblwiOm51bGwsXCJQb3NpdGlvbk9uVGFza1wiOjAsXCJTaGFwZVN0eWxlXCI6e1wiJGlkXCI6XCI5MVwiLFwiTWFyZ2luXCI6e1wiJGlkXCI6XCI5MlwiLFwiVG9wXCI6MC4wLFwiTGVmdFwiOjAuMCxcIlJpZ2h0XCI6MC4wLFwiQm90dG9tXCI6MC4wfSxcIlBhZGRpbmdcIjp7XCIkaWRcIjpcIjkzXCIsXCJUb3BcIjowLjAsXCJMZWZ0XCI6MC4wLFwiUmlnaHRcIjowLjAsXCJCb3R0b21cIjowLjB9LFwiQmFja2dyb3VuZFwiOntcIiRpZFwiOlwiOTRcIixcIkNvbG9yXCI6e1wiJGlkXCI6XCI5NVwiLFwiQVwiOjI1NSxcIlJcIjowLFwiR1wiOjExNCxcIkJcIjoxODh9fSxcIklzVmlzaWJsZVwiOnRydWUsXCJXaWR0aFwiOjE4LjAsXCJIZWlnaHRcIjoyMC4wLFwiQm9yZGVyU3R5bGVcIjp7XCIkaWRcIjpcIjk2XCIsXCJMaW5lQ29sb3JcIjp7XCIkaWRcIjpcIjk3XCIsXCIkdHlwZVwiOlwiTkxSRS5Db21tb24uRG9tLlNvbGlkQ29sb3JCcnVzaCwgTkxSRS5Db21tb25cIixcIkNvbG9yXCI6e1wiJGlkXCI6XCI5OFwiLFwiQVwiOjI1NSxcIlJcIjoyNTUsXCJHXCI6MCxcIkJcIjowfX0sXCJMaW5lV2VpZ2h0XCI6MC4wLFwiTGluZVR5cGVcIjowfX0sXCJUaXRsZVN0eWxlXCI6e1wiJGlkXCI6XCI5OVwiLFwiRm9udFNldHRpbmdzXCI6e1wiJGlkXCI6XCIxMDBcIixcIkZvbnRTaXplXCI6MTEsXCJGb250TmFtZVwiOlwiQ2FsaWJyaVwiLFwiSXNCb2xkXCI6dHJ1ZSxcIklzSXRhbGljXCI6ZmFsc2UsXCJJc1VuZGVybGluZWRcIjpmYWxzZX0sXCJBdXRvU2l6ZVwiOjAsXCJGb3JlZ3JvdW5kXCI6e1wiJGlkXCI6XCIxMDFcIixcIkNvbG9yXCI6e1wiJGlkXCI6XCIxMDJcIixcIkFcIjoyNTUsXCJSXCI6MCxcIkdcIjowLFwiQlwiOjB9fSxcIkJhY2tncm91bmRGaWxsVHlwZVwiOjAsXCJNYXhXaWR0aFwiOjIwMC4wLFwiTWF4SGVpZ2h0XCI6XCJJbmZpbml0eVwiLFwiU21hcnRGb3JlZ3JvdW5kSXNBY3RpdmVcIjpmYWxzZSxcIkhvcml6b250YWxBbGlnbm1lbnRcIjoxLFwiVmVydGljYWxBbGlnbm1lbnRcIjowLFwiU21hcnRGb3JlZ3JvdW5kXCI6bnVsbCxcIk1hcmdpblwiOntcIiRpZFwiOlwiMTAzXCIsXCJUb3BcIjowLjAsXCJMZWZ0XCI6MC4wLFwiUmlnaHRcIjowLjAsXCJCb3R0b21cIjowLjB9LFwiUGFkZGluZ1wiOntcIiRpZFwiOlwiMTA0XCIsXCJUb3BcIjowLjAsXCJMZWZ0XCI6MC4wLFwiUmlnaHRcIjowLjAsXCJCb3R0b21cIjowLjB9LFwiQmFja2dyb3VuZFwiOntcIiRpZFwiOlwiMTA1XCIsXCJDb2xvclwiOntcIiRyZWZcIjpcIjM2XCJ9fSxcIklzVmlzaWJsZVwiOnRydWUsXCJXaWR0aFwiOjAuMCxcIkhlaWdodFwiOjAuMCxcIkJvcmRlclN0eWxlXCI6bnVsbH0sXCJEYXRlU3R5bGVcIjp7XCIkaWRcIjpcIjEwNlwiLFwiRm9udFNldHRpbmdzXCI6e1wiJGlkXCI6XCIxMDdcIixcIkZvbnRTaXplXCI6MTAsXCJGb250TmFtZVwiOlwiQ2FsaWJyaVwiLFwiSXNCb2xkXCI6ZmFsc2UsXCJJc0l0YWxpY1wiOmZhbHNlLFwiSXNVbmRlcmxpbmVkXCI6ZmFsc2V9LFwiQXV0b1NpemVcIjowLFwiRm9yZWdyb3VuZFwiOntcIiRpZFwiOlwiMTA4XCIsXCJDb2xvclwiOntcIiRpZFwiOlwiMTA5XCIsXCJBXCI6MjU1LFwiUlwiOjY4LFwiR1wiOjg0LFwiQlwiOjEwNn19LFwiQmFja2dyb3VuZEZpbGxUeXBlXCI6MCxcIk1heFdpZHRoXCI6MjAwLjAsXCJNYXhIZWlnaHRcIjpcIkluZmluaXR5XCIsXCJTbWFydEZvcmVncm91bmRJc0FjdGl2ZVwiOmZhbHNlLFwiSG9yaXpvbnRhbEFsaWdubWVudFwiOjAsXCJWZXJ0aWNhbEFsaWdubWVudFwiOjAsXCJTbWFydEZvcmVncm91bmRcIjpudWxsLFwiTWFyZ2luXCI6e1wiJGlkXCI6XCIxMTBcIixcIlRvcFwiOjAuMCxcIkxlZnRcIjowLjAsXCJSaWdodFwiOjAuMCxcIkJvdHRvbVwiOjAuMH0sXCJQYWRkaW5nXCI6e1wiJGlkXCI6XCIxMTFcIixcIlRvcFwiOjAuMCxcIkxlZnRcIjowLjAsXCJSaWdodFwiOjAuMCxcIkJvdHRvbVwiOjAuMH0sXCJCYWNrZ3JvdW5kXCI6e1wiJGlkXCI6XCIxMTJcIixcIkNvbG9yXCI6e1wiJHJlZlwiOlwiMzZcIn19LFwiSXNWaXNpYmxlXCI6dHJ1ZSxcIldpZHRoXCI6MC4wLFwiSGVpZ2h0XCI6MC4wLFwiQm9yZGVyU3R5bGVcIjpudWxsfSxcIkRhdGVGb3JtYXRcIjp7XCIkaWRcIjpcIjExM1wiLFwiRm9ybWF0U3RyaW5nXCI6XCJNTU0gZFwiLFwiU2VwYXJhdG9yXCI6XCIvXCIsXCJVc2VJbnRlcm5hdGlvbmFsRGF0ZUZvcm1hdFwiOmZhbHNlLFwiRGF0ZUlzVmlzaWJsZVwiOnRydWUsXCJUaW1lSXNWaXNpYmxlXCI6ZmFsc2UsXCJIb3VyRGlnaXRzXCI6MSxcIkFtUG1EZXNpZ25hdG9yXCI6MixcIlRyaW0wME1pbnV0ZXNcIjpmYWxzZSxcIkxhc3RLbm93blZpc2liaWxpdHlTdGF0ZVwiOm51bGx9LFwiSXNWaXNpYmxlXCI6dHJ1ZX0sXCJEZWZhdWx0VGFza1N0eWxlXCI6e1wiJGlkXCI6XCIxMTRcIixcIlNoYXBlXCI6MixcIlNoYXBlVGhpY2tuZXNzXCI6MSxcIkR1cmF0aW9uRm9ybWF0XCI6MCxcIlBlcmNlbnRhZ2VDb21wbGV0ZVN0eWxlXCI6e1wiJGlkXCI6XCIxMTVcIixcIkZvbnRTZXR0aW5nc1wiOntcIiRpZFwiOlwiMTE2XCIsXCJGb250U2l6ZVwiOjEwLFwiRm9udE5hbWVcIjpcIkNhbGlicmlcIixcIklzQm9sZFwiOmZhbHNlLFwiSXNJdGFsaWNcIjpmYWxzZSxcIklzVW5kZXJsaW5lZFwiOmZhbHNlfSxcIkF1dG9TaXplXCI6MCxcIkZvcmVncm91bmRcIjp7XCIkaWRcIjpcIjExN1wiLFwiQ29sb3JcIjp7XCIkaWRcIjpcIjExOFwiLFwiQVwiOjI1NSxcIlJcIjoyMzcsXCJHXCI6MTI1LFwiQlwiOjQ5fX0sXCJCYWNrZ3JvdW5kRmlsbFR5cGVcIjowLFwiTWF4V2lkdGhcIjoyMDAuMCxcIk1heEhlaWdodFwiOlwiSW5maW5pdHlcIixcIlNtYXJ0Rm9yZWdyb3VuZElzQWN0aXZlXCI6ZmFsc2UsXCJIb3Jpem9udGFsQWxpZ25tZW50XCI6MCxcIlZlcnRpY2FsQWxpZ25tZW50XCI6MCxcIlNtYXJ0Rm9yZWdyb3VuZFwiOm51bGwsXCJNYXJnaW5cIjp7XCIkaWRcIjpcIjExOVwiLFwiVG9wXCI6MC4wLFwiTGVmdFwiOjAuMCxcIlJpZ2h0XCI6MC4wLFwiQm90dG9tXCI6MC4wfSxcIlBhZGRpbmdcIjp7XCIkaWRcIjpcIjEyMFwiLFwiVG9wXCI6MC4wLFwiTGVmdFwiOjAuMCxcIlJpZ2h0XCI6MC4wLFwiQm90dG9tXCI6MC4wfSxcIkJhY2tncm91bmRcIjp7XCIkaWRcIjpcIjEyMVwiLFwiQ29sb3JcIjp7XCIkcmVmXCI6XCIzNlwifX0sXCJJc1Zpc2libGVcIjp0cnVlLFwiV2lkdGhcIjowLjAsXCJIZWlnaHRcIjowLjAsXCJCb3JkZXJTdHlsZVwiOm51bGx9LFwiRHVyYXRpb25TdHlsZVwiOntcIiRpZFwiOlwiMTIyXCIsXCJGb250U2V0dGluZ3NcIjp7XCIkaWRcIjpcIjEyM1wiLFwiRm9udFNpemVcIjoxMCxcIkZvbnROYW1lXCI6XCJDYWxpYnJpXCIsXCJJc0JvbGRcIjpmYWxzZSxcIklzSXRhbGljXCI6ZmFsc2UsXCJJc1VuZGVybGluZWRcIjpmYWxzZX0sXCJBdXRvU2l6ZVwiOjAsXCJGb3JlZ3JvdW5kXCI6e1wiJGlkXCI6XCIxMjRcIixcIkNvbG9yXCI6e1wiJGlkXCI6XCIxMjVcIixcIkFcIjoyNTUsXCJSXCI6MjM3LFwiR1wiOjEyNSxcIkJcIjo0OX19LFwiQmFja2dyb3VuZEZpbGxUeXBlXCI6MCxcIk1heFdpZHRoXCI6MjAwLjAsXCJNYXhIZWlnaHRcIjpcIkluZmluaXR5XCIsXCJTbWFydEZvcmVncm91bmRJc0FjdGl2ZVwiOmZhbHNlLFwiSG9yaXpvbnRhbEFsaWdubWVudFwiOjAsXCJWZXJ0aWNhbEFsaWdubWVudFwiOjAsXCJTbWFydEZvcmVncm91bmRcIjpudWxsLFwiTWFyZ2luXCI6e1wiJGlkXCI6XCIxMjZcIixcIlRvcFwiOjAuMCxcIkxlZnRcIjowLjAsXCJSaWdodFwiOjAuMCxcIkJvdHRvbVwiOjAuMH0sXCJQYWRkaW5nXCI6e1wiJGlkXCI6XCIxMjdcIixcIlRvcFwiOjAuMCxcIkxlZnRcIjowLjAsXCJSaWdodFwiOjAuMCxcIkJvdHRvbVwiOjAuMH0sXCJCYWNrZ3JvdW5kXCI6e1wiJGlkXCI6XCIxMjhcIixcIkNvbG9yXCI6e1wiJHJlZlwiOlwiMzZcIn19LFwiSXNWaXNpYmxlXCI6dHJ1ZSxcIldpZHRoXCI6MC4wLFwiSGVpZ2h0XCI6MC4wLFwiQm9yZGVyU3R5bGVcIjpudWxsfSxcIkhvcml6b250YWxDb25uZWN0b3JTdHlsZVwiOntcIiRpZFwiOlwiMTI5XCIsXCJMaW5lQ29sb3JcIjp7XCIkaWRcIjpcIjEzMFwiLFwiJHR5cGVcIjpcIk5MUkUuQ29tbW9uLkRvbS5Tb2xpZENvbG9yQnJ1c2gsIE5MUkUuQ29tbW9uXCIsXCJDb2xvclwiOntcIiRpZFwiOlwiMTMxXCIsXCJBXCI6MjU1LFwiUlwiOjIwNCxcIkdcIjoyMDQsXCJCXCI6MjA0fX0sXCJMaW5lV2VpZ2h0XCI6MS4wLFwiTGluZVR5cGVcIjowfSxcIlZlcnRpY2FsQ29ubmVjdG9yU3R5bGVcIjp7XCIkaWRcIjpcIjEzMlwiLFwiTGluZUNvbG9yXCI6e1wiJGlkXCI6XCIxMzNcIixcIiR0eXBlXCI6XCJOTFJFLkNvbW1vbi5Eb20uU29saWRDb2xvckJydXNoLCBOTFJFLkNvbW1vblwiLFwiQ29sb3JcIjp7XCIkaWRcIjpcIjEzNFwiLFwiQVwiOjI1NSxcIlJcIjoyMDQsXCJHXCI6MjA0LFwiQlwiOjIwNH19LFwiTGluZVdlaWdodFwiOjAuMCxcIkxpbmVUeXBlXCI6MH0sXCJNYXJnaW5cIjpudWxsLFwiU3RhcnREYXRlUG9zaXRpb25cIjozLFwiRW5kRGF0ZVBvc2l0aW9uXCI6NCxcIlRpdGxlUG9zaXRpb25cIjoyLFwiRHVyYXRpb25Qb3NpdGlvblwiOjYsXCJQZXJjZW50YWdlQ29tcGxldGVkUG9zaXRpb25cIjo2LFwiU3BhY2luZ1wiOjUsXCJJc0JlbG93VGltZWJhbmRcIjp0cnVlLFwiUGVyY2VudGFnZUNvbXBsZXRlU2hhcGVPcGFjaXR5XCI6MzUsXCJHcm91cE5hbWVcIjpudWxsLFwiQXR0YWNoZWRNaWxlc3RvbmVzU3R5bGVzXCI6bnVsbCxcIlNoYXBlU3R5bGVcIjp7XCIkaWRcIjpcIjEzNVwiLFwiTWFyZ2luXCI6e1wiJGlkXCI6XCIxMzZcIixcIlRvcFwiOjAuMCxcIkxlZnRcIjo0LjAsXCJSaWdodFwiOjQuMCxcIkJvdHRvbVwiOjAuMH0sXCJQYWRkaW5nXCI6e1wiJGlkXCI6XCIxMzdcIixcIlRvcFwiOjAuMCxcIkxlZnRcIjowLjAsXCJSaWdodFwiOjAuMCxcIkJvdHRvbVwiOjAuMH0sXCJCYWNrZ3JvdW5kXCI6e1wiJGlkXCI6XCIxMzhcIixcIkNvbG9yXCI6e1wiJGlkXCI6XCIxMzlcIixcIkFcIjoyNTUsXCJSXCI6MCxcIkdcIjoxMTQsXCJCXCI6MTg4fX0sXCJJc1Zpc2libGVcIjp0cnVlLFwiV2lkdGhcIjowLjAsXCJIZWlnaHRcIjoxNi4wLFwiQm9yZGVyU3R5bGVcIjp7XCIkaWRcIjpcIjE0MFwiLFwiTGluZUNvbG9yXCI6e1wiJGlkXCI6XCIxNDFcIixcIiR0eXBlXCI6XCJOTFJFLkNvbW1vbi5Eb20uU29saWRDb2xvckJydXNoLCBOTFJFLkNvbW1vblwiLFwiQ29sb3JcIjp7XCIkaWRcIjpcIjE0MlwiLFwiQVwiOjI1NSxcIlJcIjoyNTUsXCJHXCI6MCxcIkJcIjowfX0sXCJMaW5lV2VpZ2h0XCI6MC4wLFwiTGluZVR5cGVcIjowfX0sXCJUaXRsZVN0eWxlXCI6e1wiJGlkXCI6XCIxNDNcIixcIkZvbnRTZXR0aW5nc1wiOntcIiRpZFwiOlwiMTQ0XCIsXCJGb250U2l6ZVwiOjExLFwiRm9udE5hbWVcIjpcIkNhbGlicmlcIixcIklzQm9sZFwiOnRydWUsXCJJc0l0YWxpY1wiOmZhbHNlLFwiSXNVbmRlcmxpbmVkXCI6ZmFsc2V9LFwiQXV0b1NpemVcIjowLFwiRm9yZWdyb3VuZFwiOntcIiRpZFwiOlwiMTQ1XCIsXCJDb2xvclwiOntcIiRpZFwiOlwiMTQ2XCIsXCJBXCI6MjU1LFwiUlwiOjAsXCJHXCI6MCxcIkJcIjowfX0sXCJCYWNrZ3JvdW5kRmlsbFR5cGVcIjowLFwiTWF4V2lkdGhcIjo5NjAuMCxcIk1heEhlaWdodFwiOlwiSW5maW5pdHlcIixcIlNtYXJ0Rm9yZWdyb3VuZElzQWN0aXZlXCI6ZmFsc2UsXCJIb3Jpem9udGFsQWxpZ25tZW50XCI6MSxcIlZlcnRpY2FsQWxpZ25tZW50XCI6MCxcIlNtYXJ0Rm9yZWdyb3VuZFwiOm51bGwsXCJNYXJnaW5cIjp7XCIkaWRcIjpcIjE0N1wiLFwiVG9wXCI6MC4wLFwiTGVmdFwiOjAuMCxcIlJpZ2h0XCI6MC4wLFwiQm90dG9tXCI6MC4wfSxcIlBhZGRpbmdcIjp7XCIkaWRcIjpcIjE0OFwiLFwiVG9wXCI6MC4wLFwiTGVmdFwiOjAuMCxcIlJpZ2h0XCI6MC4wLFwiQm90dG9tXCI6MC4wfSxcIkJhY2tncm91bmRcIjp7XCIkaWRcIjpcIjE0OVwiLFwiQ29sb3JcIjp7XCIkcmVmXCI6XCIzNlwifX0sXCJJc1Zpc2libGVcIjp0cnVlLFwiV2lkdGhcIjowLjAsXCJIZWlnaHRcIjowLjAsXCJCb3JkZXJTdHlsZVwiOm51bGx9LFwiRGF0ZVN0eWxlXCI6e1wiJGlkXCI6XCIxNTBcIixcIkZvbnRTZXR0aW5nc1wiOntcIiRpZFwiOlwiMTUxXCIsXCJGb250U2l6ZVwiOjEwLFwiRm9udE5hbWVcIjpcIkNhbGlicmlcIixcIklzQm9sZFwiOmZhbHNlLFwiSXNJdGFsaWNcIjpmYWxzZSxcIklzVW5kZXJsaW5lZFwiOmZhbHNlfSxcIkF1dG9TaXplXCI6MCxcIkZvcmVncm91bmRcIjp7XCIkaWRcIjpcIjE1MlwiLFwiQ29sb3JcIjp7XCIkaWRcIjpcIjE1M1wiLFwiQVwiOjI1NSxcIlJcIjo2OCxcIkdcIjo4NCxcIkJcIjoxMDZ9fSxcIkJhY2tncm91bmRGaWxsVHlwZVwiOjAsXCJNYXhXaWR0aFwiOjIwMC4wLFwiTWF4SGVpZ2h0XCI6XCJJbmZpbml0eVwiLFwiU21hcnRGb3JlZ3JvdW5kSXNBY3RpdmVcIjpmYWxzZSxcIkhvcml6b250YWxBbGlnbm1lbnRcIjoxLFwiVmVydGljYWxBbGlnbm1lbnRcIjowLFwiU21hcnRGb3JlZ3JvdW5kXCI6bnVsbCxcIk1hcmdpblwiOntcIiRpZFwiOlwiMTU0XCIsXCJUb3BcIjowLjAsXCJMZWZ0XCI6MC4wLFwiUmlnaHRcIjowLjAsXCJCb3R0b21cIjowLjB9LFwiUGFkZGluZ1wiOntcIiRpZFwiOlwiMTU1XCIsXCJUb3BcIjowLjAsXCJMZWZ0XCI6MC4wLFwiUmlnaHRcIjowLjAsXCJCb3R0b21cIjowLjB9LFwiQmFja2dyb3VuZFwiOntcIiRpZFwiOlwiMTU2XCIsXCJDb2xvclwiOntcIiRyZWZcIjpcIjM2XCJ9fSxcIklzVmlzaWJsZVwiOnRydWUsXCJXaWR0aFwiOjAuMCxcIkhlaWdodFwiOjAuMCxcIkJvcmRlclN0eWxlXCI6bnVsbH0sXCJEYXRlRm9ybWF0XCI6e1wiJGlkXCI6XCIxNTdcIixcIkZvcm1hdFN0cmluZ1wiOlwiTU1NIGRcIixcIlNlcGFyYXRvclwiOlwiL1wiLFwiVXNlSW50ZXJuYXRpb25hbERhdGVGb3JtYXRcIjpmYWxzZSxcIkRhdGVJc1Zpc2libGVcIjp0cnVlLFwiVGltZUlzVmlzaWJsZVwiOmZhbHNlLFwiSG91ckRpZ2l0c1wiOjEsXCJBbVBtRGVzaWduYXRvclwiOjIsXCJUcmltMDBNaW51dGVzXCI6ZmFsc2UsXCJMYXN0S25vd25WaXNpYmlsaXR5U3RhdGVcIjpudWxsfSxcIklzVmlzaWJsZVwiOnRydWV9LFwiU2hvd0VsYXBzZWRUaW1lR3JhZGllbnRTdHlsZVwiOmZhbHNlLFwiVGltZWJhbmRSZXNlcnZlZExlZnRBcmVhU3R5bGVcIjpudWxsLFwiRGVmYXVsdFN3aW1sYW5lU3R5bGVcIjp7XCIkaWRcIjpcIjE1OFwiLFwiSGVhZGVyU3R5bGVcIjp7XCIkaWRcIjpcIjE1OVwiLFwiVGV4dFN0eWxlXCI6e1wiJGlkXCI6XCIxNjBcIixcIkZvbnRTZXR0aW5nc1wiOntcIiRpZFwiOlwiMTYxXCIsXCJGb250U2l6ZVwiOjEyLFwiRm9udE5hbWVcIjpcIkNhbGlicmlcIixcIklzQm9sZFwiOmZhbHNlLFwiSXNJdGFsaWNcIjpmYWxzZSxcIklzVW5kZXJsaW5lZFwiOmZhbHNlfSxcIkF1dG9TaXplXCI6MCxcIkZvcmVncm91bmRcIjp7XCIkaWRcIjpcIjE2MlwiLFwiQ29sb3JcIjp7XCIkaWRcIjpcIjE2M1wiLFwiQVwiOjI1NSxcIlJcIjozMixcIkdcIjo1NixcIkJcIjoxMDB9fSxcIkJhY2tncm91bmRGaWxsVHlwZVwiOjAsXCJNYXhXaWR0aFwiOjAuMCxcIk1heEhlaWdodFwiOjAuMCxcIlNtYXJ0Rm9yZWdyb3VuZElzQWN0aXZlXCI6ZmFsc2UsXCJIb3Jpem9udGFsQWxpZ25tZW50XCI6MCxcIlZlcnRpY2FsQWxpZ25tZW50XCI6MCxcIlNtYXJ0Rm9yZWdyb3VuZFwiOm51bGwsXCJNYXJnaW5cIjp7XCIkaWRcIjpcIjE2NFwiLFwiVG9wXCI6MC4wLFwiTGVmdFwiOjAuMCxcIlJpZ2h0XCI6MC4wLFwiQm90dG9tXCI6MC4wfSxcIlBhZGRpbmdcIjp7XCIkaWRcIjpcIjE2NVwiLFwiVG9wXCI6MC4wLFwiTGVmdFwiOjAuMCxcIlJpZ2h0XCI6MC4wLFwiQm90dG9tXCI6MC4wfSxcIkJhY2tncm91bmRcIjpudWxsLFwiSXNWaXNpYmxlXCI6ZmFsc2UsXCJXaWR0aFwiOjAuMCxcIkhlaWdodFwiOjAuMCxcIkJvcmRlclN0eWxlXCI6bnVsbH0sXCJSZWN0YW5nbGVTdHlsZVwiOntcIiRpZFwiOlwiMTY2XCIsXCJNYXJnaW5cIjp7XCIkaWRcIjpcIjE2N1wiLFwiVG9wXCI6MC4wLFwiTGVmdFwiOjAuMCxcIlJpZ2h0XCI6MC4wLFwiQm90dG9tXCI6MC4wfSxcIlBhZGRpbmdcIjp7XCIkaWRcIjpcIjE2OFwiLFwiVG9wXCI6MC4wLFwiTGVmdFwiOjAuMCxcIlJpZ2h0XCI6MC4wLFwiQm90dG9tXCI6MC4wfSxcIkJhY2tncm91bmRcIjp7XCIkaWRcIjpcIjE2OVwiLFwiQ29sb3JcIjp7XCIkaWRcIjpcIjE3MFwiLFwiQVwiOjEyNyxcIlJcIjo5MSxcIkdcIjoxNTUsXCJCXCI6MjEzfX0sXCJJc1Zpc2libGVcIjpmYWxzZSxcIldpZHRoXCI6MC4wLFwiSGVpZ2h0XCI6MC4wLFwiQm9yZGVyU3R5bGVcIjp7XCIkaWRcIjpcIjE3MVwiLFwiTGluZUNvbG9yXCI6e1wiJGlkXCI6XCIxNzJcIixcIiR0eXBlXCI6XCJOTFJFLkNvbW1vbi5Eb20uU29saWRDb2xvckJydXNoLCBOTFJFLkNvbW1vblwiLFwiQ29sb3JcIjp7XCIkaWRcIjpcIjE3M1wiLFwiQVwiOjI1NSxcIlJcIjoyNTUsXCJHXCI6MCxcIkJcIjowfX0sXCJMaW5lV2VpZ2h0XCI6MC4wLFwiTGluZVR5cGVcIjowfX0sXCJUZXh0SXNWZXJ0aWNhbFwiOmZhbHNlfSxcIkJhY2tncm91bmRTdHlsZVwiOntcIiRpZFwiOlwiMTc0XCIsXCJNYXJnaW5cIjp7XCIkaWRcIjpcIjE3NVwiLFwiVG9wXCI6MC4wLFwiTGVmdFwiOjAuMCxcIlJpZ2h0XCI6MC4wLFwiQm90dG9tXCI6MC4wfSxcIlBhZGRpbmdcIjp7XCIkaWRcIjpcIjE3NlwiLFwiVG9wXCI6MC4wLFwiTGVmdFwiOjAuMCxcIlJpZ2h0XCI6MC4wLFwiQm90dG9tXCI6MC4wfSxcIkJhY2tncm91bmRcIjp7XCIkaWRcIjpcIjE3N1wiLFwiQ29sb3JcIjp7XCIkaWRcIjpcIjE3OFwiLFwiQVwiOjM4LFwiUlwiOjkxLFwiR1wiOjE1NSxcIkJcIjoyMTN9fSxcIklzVmlzaWJsZVwiOnRydWUsXCJXaWR0aFwiOjAuMCxcIkhlaWdodFwiOjAuMCxcIkJvcmRlclN0eWxlXCI6e1wiJGlkXCI6XCIxNzlcIixcIkxpbmVDb2xvclwiOntcIiRpZFwiOlwiMTgwXCIsXCIkdHlwZVwiOlwiTkxSRS5Db21tb24uRG9tLlNvbGlkQ29sb3JCcnVzaCwgTkxSRS5Db21tb25cIixcIkNvbG9yXCI6e1wiJGlkXCI6XCIxODFcIixcIkFcIjoyNTUsXCJSXCI6MjU1LFwiR1wiOjAsXCJCXCI6MH19LFwiTGluZVdlaWdodFwiOjAuMCxcIkxpbmVUeXBlXCI6MH19LFwiSXNBYm92ZVRpbWViYW5kXCI6ZmFsc2V9LFwiQ3VzdG9tTWlsZXN0b25lU3R5bGVMaXN0XCI6W10sXCJDdXN0b21UYXNrU3R5bGVMaXN0XCI6W10sXCJDdXN0b21Td2ltbGFuZURlZmluaXRpb25TdHlsZUxpc3RcIjpbXSxcIkN1c3RvbVN3aW1sYW5lVjJTdHlsZUxpc3RcIjpbXSxcIkdyaWRsaW5lUGFuZWxTdHlsZVwiOntcIiRpZFwiOlwiMTgyXCIsXCJHcmlkbGluZVN0eWxlXCI6e1wiJGlkXCI6XCIxODNcIixcIkxpbmVDb2xvclwiOntcIiRpZFwiOlwiMTg0XCIsXCIkdHlwZVwiOlwiTkxSRS5Db21tb24uRG9tLlNvbGlkQ29sb3JCcnVzaCwgTkxSRS5Db21tb25cIixcIkNvbG9yXCI6e1wiJGlkXCI6XCIxODVcIixcIkFcIjozOCxcIlJcIjo5MSxcIkdcIjoxNTUsXCJCXCI6MjEzfX0sXCJMaW5lV2VpZ2h0XCI6MS4wLFwiTGluZVR5cGVcIjowfSxcIklzVmlzaWJsZVwiOnRydWV9LFwiQWN0aXZpdHlMaW5lUGFuZWxTdHlsZVwiOntcIiRpZFwiOlwiMTg2XCIsXCJBY3Rpdml0eUxpbmVTdHlsZVwiOntcIiRpZFwiOlwiMTg3XCIsXCJMaW5lQ29sb3JcIjp7XCIkaWRcIjpcIjE4OFwiLFwiJHR5cGVcIjpcIk5MUkUuQ29tbW9uLkRvbS5Tb2xpZENvbG9yQnJ1c2gsIE5MUkUuQ29tbW9uXCIsXCJDb2xvclwiOntcIiRpZFwiOlwiMTg5XCIsXCJBXCI6MzgsXCJSXCI6NjgsXCJHXCI6MTE0LFwiQlwiOjE5Nn19LFwiTGluZVdlaWdodFwiOjEuMCxcIkxpbmVUeXBlXCI6MH0sXCJJc1Zpc2libGVcIjp0cnVlfX0sXCJTY2FsZVwiOntcIiRpZFwiOlwiMTkwXCIsXCJTdGFydERhdGVcIjpcIjAwMDEtMDEtMDFUMDA6MDA6MDBcIixcIkVuZERhdGVcIjpcIjAwMDEtMDEtMDFUMDA6MDA6MDBcIixcIkZvcm1hdFwiOlwid1wiLFwiVHlwZVwiOjEsXCJBdXRvRGF0ZVJhbmdlXCI6dHJ1ZSxcIldvcmtpbmdEYXlzXCI6MzEsXCJUb2RheU1hcmtlclRleHRcIjpcIlRvZGF5XCIsXCJBdXRvU2NhbGVUeXBlXCI6dHJ1ZX0sXCJTY2FsZVYyXCI6e1wiJGlkXCI6XCIxOTFcIixcIlN0YXJ0RGF0ZVwiOlwiMDAwMS0wMS0wMVQwMDowMDowMFwiLFwiRW5kRGF0ZVwiOlwiMDAwMS0wMS0wMVQwMDowMDowMFwiLFwiQXV0b0RhdGVSYW5nZVwiOnRydWUsXCJXb3JraW5nRGF5c1wiOjMxLFwiVG9kYXlNYXJrZXJUZXh0XCI6XCJUb2RheVwiLFwiQXV0b1NjYWxlVHlwZVwiOnRydWUsXCJUaW1lYmFuZFNjYWxlc1wiOntcIiRpZFwiOlwiMTkyXCIsXCJUb3BTY2FsZUxheWVyXCI6e1wiJGlkXCI6XCIxOTNcIixcIkZvcm1hdFwiOlwid1wiLFwiVHlwZVwiOjF9LFwiTWlkZGxlU2NhbGVMYXllclwiOntcIiRpZFwiOlwiMTk0XCIsXCJGb3JtYXRcIjpudWxsLFwiVHlwZVwiOjB9LFwiQm90dG9tU2NhbGVMYXllclwiOntcIiRpZFwiOlwiMTk1XCIsXCJGb3JtYXRcIjpudWxsLFwiVHlwZVwiOjB9fX0sXCJNaWxlc3RvbmVzXCI6W10sXCJUYXNrc1wiOltdLFwiU3dpbWxhbmVzXCI6W10sXCJTd2ltbGFuZXNWMlwiOltdLFwiU2V0dGluZ3NcIjp7XCIkaWRcIjpcIjE5NlwiLFwiSW1wYU9wdGlvbnNcIjp7XCIkaWRcIjpcIjE5N1wiLFwiTGVmdFRvUmlnaHRcIjpmYWxzZSxcIlBheWxvYWRPcHRpb25zXCI6Mn19LFwiVGltZUNvbmZpZ3VyYXRpb25cIjp7XCIkaWRcIjpcIjE5OFwiLFwiVXNlVGltZVwiOmZhbHNlLFwiV29ya0RheVN0YXJ0XCI6XCIwMDowMDowMFwiLFwiV29ya0RheUVuZFwiOlwiMjM6NTk6MDBcIn19IiwiUmVjZW50Q29sb3JzQ29sbGVjdGlvbiI6IltcIiNGRjFBQUE0MlwiXSJ9LCJTZXR0aW5ncyI6eyIkaWQiOiI2ODciLCJJbXBhT3B0aW9ucyI6eyIkaWQiOiI2ODgiLCJMZWZ0VG9SaWdodCI6ZmFsc2UsIlBheWxvYWRPcHRpb25zIjoyfSwiVXNlQ29tcHJlc3Npb24iOmZhbHNlLCJDb21wcmVzaW9uUGVyY2VudGFnZSI6NTAuMCwiSW5hY3RpdmVJbnRlcnZhbFdpZHRoVGhyZXNob2xkIjozMC4wLCJJbmFjdGl2ZUludGVydmFsV2lkdGgiOjEuMCwiU3BsaXRUYXNrcyI6ZmFsc2UsIlVzZUNsdXN0ZXIiOmZhbHNlLCJFcHNpbG9uIjo1LjAsIk1pblBvaW50c1RvRm9ybUFDbHVzdGVyIjoyLCJHZW5lcmF0ZUludmlzaWJsZVNoYXBlcyI6ZmFsc2UsIlNtYXJ0VGltZWxpbmVUYXNrUGVyY2VudGFnZUZpdCI6ZmFsc2V9LCJJc05ldyI6ZmFsc2UsIkltcG9ydFR5cGUiOjAsIkZpbGVQYXRoIjpudWxsLCJUaW1lQ29uZmlndXJhdGlvbiI6eyIkaWQiOiI2ODkiLCJVc2VUaW1lIjpmYWxzZSwiV29ya0RheVN0YXJ0IjoiMDA6MDA6MDAiLCJXb3JrRGF5RW5kIjoiMjM6NTk6MDAifSwiTGFzdFVzZWRUZW1wbGF0ZUlkIjoiYzExZjZmNDktN2RiOC00NWZkLWJhMzItYmZjYWVhNDkyZjM5IiwiRmlyc3RXZWVrT2ZZZWFyIjowLCJQbGFjZU1pbGVzdG9uZUF0VGhlQmVnaW5uaW5nT2ZUaGVEYXkiOmZhbHNlfQ=="/>
+  <p:tag name="__MASTER" val="__part_0"/>
+</p:tagLst>
+</file>
+
+<file path=ppt/tags/tag126.xml><?xml version="1.0" encoding="utf-8"?>
+<p:tagLst xmlns:a="http://schemas.openxmlformats.org/drawingml/2006/main" xmlns:r="http://schemas.openxmlformats.org/officeDocument/2006/relationships" xmlns:p="http://schemas.openxmlformats.org/presentationml/2006/main">
+  <p:tag name="OTLMARKERSHAPE" val="OTL"/>
+</p:tagLst>
+</file>
+
+<file path=ppt/tags/tag127.xml><?xml version="1.0" encoding="utf-8"?>
+<p:tagLst xmlns:a="http://schemas.openxmlformats.org/drawingml/2006/main" xmlns:r="http://schemas.openxmlformats.org/officeDocument/2006/relationships" xmlns:p="http://schemas.openxmlformats.org/presentationml/2006/main">
+  <p:tag name="OTLMARKERSHAPE" val="OTL"/>
+</p:tagLst>
+</file>
+
+<file path=ppt/tags/tag128.xml><?xml version="1.0" encoding="utf-8"?>
+<p:tagLst xmlns:a="http://schemas.openxmlformats.org/drawingml/2006/main" xmlns:r="http://schemas.openxmlformats.org/officeDocument/2006/relationships" xmlns:p="http://schemas.openxmlformats.org/presentationml/2006/main">
+  <p:tag name="OTLMARKERSHAPE" val="OTL"/>
+</p:tagLst>
+</file>
+
+<file path=ppt/tags/tag129.xml><?xml version="1.0" encoding="utf-8"?>
+<p:tagLst xmlns:a="http://schemas.openxmlformats.org/drawingml/2006/main" xmlns:r="http://schemas.openxmlformats.org/officeDocument/2006/relationships" xmlns:p="http://schemas.openxmlformats.org/presentationml/2006/main">
+  <p:tag name="OTLMARKERSHAPE" val="OTL"/>
+</p:tagLst>
+</file>
+
 <file path=ppt/tags/tag13.xml><?xml version="1.0" encoding="utf-8"?>
+<p:tagLst xmlns:a="http://schemas.openxmlformats.org/drawingml/2006/main" xmlns:r="http://schemas.openxmlformats.org/officeDocument/2006/relationships" xmlns:p="http://schemas.openxmlformats.org/presentationml/2006/main">
+  <p:tag name="OTLMARKERSHAPE" val="OTL"/>
+</p:tagLst>
+</file>
+
+<file path=ppt/tags/tag130.xml><?xml version="1.0" encoding="utf-8"?>
+<p:tagLst xmlns:a="http://schemas.openxmlformats.org/drawingml/2006/main" xmlns:r="http://schemas.openxmlformats.org/officeDocument/2006/relationships" xmlns:p="http://schemas.openxmlformats.org/presentationml/2006/main">
+  <p:tag name="OTLMARKERSHAPE" val="OTL"/>
+</p:tagLst>
+</file>
+
+<file path=ppt/tags/tag131.xml><?xml version="1.0" encoding="utf-8"?>
+<p:tagLst xmlns:a="http://schemas.openxmlformats.org/drawingml/2006/main" xmlns:r="http://schemas.openxmlformats.org/officeDocument/2006/relationships" xmlns:p="http://schemas.openxmlformats.org/presentationml/2006/main">
+  <p:tag name="OTLMARKERSHAPE" val="OTL"/>
+</p:tagLst>
+</file>
+
+<file path=ppt/tags/tag132.xml><?xml version="1.0" encoding="utf-8"?>
+<p:tagLst xmlns:a="http://schemas.openxmlformats.org/drawingml/2006/main" xmlns:r="http://schemas.openxmlformats.org/officeDocument/2006/relationships" xmlns:p="http://schemas.openxmlformats.org/presentationml/2006/main">
+  <p:tag name="OTLMARKERSHAPE" val="OTL"/>
+</p:tagLst>
+</file>
+
+<file path=ppt/tags/tag133.xml><?xml version="1.0" encoding="utf-8"?>
+<p:tagLst xmlns:a="http://schemas.openxmlformats.org/drawingml/2006/main" xmlns:r="http://schemas.openxmlformats.org/officeDocument/2006/relationships" xmlns:p="http://schemas.openxmlformats.org/presentationml/2006/main">
+  <p:tag name="OTLMARKERSHAPE" val="OTL"/>
+</p:tagLst>
+</file>
+
+<file path=ppt/tags/tag134.xml><?xml version="1.0" encoding="utf-8"?>
+<p:tagLst xmlns:a="http://schemas.openxmlformats.org/drawingml/2006/main" xmlns:r="http://schemas.openxmlformats.org/officeDocument/2006/relationships" xmlns:p="http://schemas.openxmlformats.org/presentationml/2006/main">
+  <p:tag name="OTLTIMEBANDSHAPETYPE" val="EllipseTimeband"/>
+  <p:tag name="OTLTIMEBANDSHAPEHEIGHT" val="30"/>
+  <p:tag name="OTLTIMEBANDSHAPEPADDINGLEFT" val="13"/>
+  <p:tag name="OTLTIMEBANDCULTUREINFO" val="en-US"/>
+  <p:tag name="OTLTIMEBANDTHREEDEFFECTS" val="Gel"/>
+  <p:tag name="OTLTIMEBANDAUTODATERANGE" val="True"/>
+  <p:tag name="OTLTIMEBANDSTARTDATE" val="0001-01-01T00:00:00.0000000"/>
+  <p:tag name="OTLTIMEBANDWORKINGDAYS" val="Standard"/>
+  <p:tag name="OTLTIMEBANDELAPSEDTIMEEXTENSION" val="False"/>
+  <p:tag name="OTLTIMEBANDUSETIME" val="False"/>
+  <p:tag name="OTLTIMEBANDTIMECONFIGWORKDAYSTART" val="00:00:00"/>
+  <p:tag name="OTLTIMEBANDTIMECONFIGWORKDAYEND" val="23:59:00"/>
+  <p:tag name="OTLTIMEBANDAPPENDYEARONYEARCHANGE" val="True"/>
+  <p:tag name="OTLTIMEBANDSCALEMARKING" val="None"/>
+  <p:tag name="OTLRIGHTENDCAPSMARGINRIGHT" val="20"/>
+  <p:tag name="OTLLEFTENDCAPSMARGINLEFT" val="115.506666666667"/>
+  <p:tag name="OTLTIMEBANDFYSTARTMONTH" val="January"/>
+  <p:tag name="OTLTIMEBANDSHOWFYLABEL" val="True"/>
+  <p:tag name="OTLTIMEBANDUSESTARTINGOFTHEYEARFORFYNUMBERING" val="True"/>
+  <p:tag name="OTLTIMEBANDRESERVEDLEFTAREAWIDTH" val="76"/>
+  <p:tag name="OTLTIMEBANDRESERVEDLEFTAREAISSET" val="False"/>
+  <p:tag name="OTLTIMEBANDQUICKPOSITION" val="Custom"/>
+  <p:tag name="OTLTIMEBANDENDDATE" val="2022-06-30T23:59:00.0000000"/>
+  <p:tag name="OTLMARKERSHAPE" val="OTL"/>
+  <p:tag name="OTLTIMEBANDSCALETYPE" val="Days"/>
+  <p:tag name="OTLTIMEBANDSCALEFORMAT" val="d"/>
+</p:tagLst>
+</file>
+
+<file path=ppt/tags/tag135.xml><?xml version="1.0" encoding="utf-8"?>
+<p:tagLst xmlns:a="http://schemas.openxmlformats.org/drawingml/2006/main" xmlns:r="http://schemas.openxmlformats.org/officeDocument/2006/relationships" xmlns:p="http://schemas.openxmlformats.org/presentationml/2006/main">
+  <p:tag name="OTLMARKERSHAPE" val="OTL"/>
+</p:tagLst>
+</file>
+
+<file path=ppt/tags/tag136.xml><?xml version="1.0" encoding="utf-8"?>
+<p:tagLst xmlns:a="http://schemas.openxmlformats.org/drawingml/2006/main" xmlns:r="http://schemas.openxmlformats.org/officeDocument/2006/relationships" xmlns:p="http://schemas.openxmlformats.org/presentationml/2006/main">
+  <p:tag name="OTLMARKERSHAPE" val="OTL"/>
+</p:tagLst>
+</file>
+
+<file path=ppt/tags/tag137.xml><?xml version="1.0" encoding="utf-8"?>
+<p:tagLst xmlns:a="http://schemas.openxmlformats.org/drawingml/2006/main" xmlns:r="http://schemas.openxmlformats.org/officeDocument/2006/relationships" xmlns:p="http://schemas.openxmlformats.org/presentationml/2006/main">
+  <p:tag name="OTLMARKERSHAPE" val="OTL"/>
+</p:tagLst>
+</file>
+
+<file path=ppt/tags/tag138.xml><?xml version="1.0" encoding="utf-8"?>
+<p:tagLst xmlns:a="http://schemas.openxmlformats.org/drawingml/2006/main" xmlns:r="http://schemas.openxmlformats.org/officeDocument/2006/relationships" xmlns:p="http://schemas.openxmlformats.org/presentationml/2006/main">
+  <p:tag name="OTLMARKERSHAPE" val="OTL"/>
+</p:tagLst>
+</file>
+
+<file path=ppt/tags/tag139.xml><?xml version="1.0" encoding="utf-8"?>
 <p:tagLst xmlns:a="http://schemas.openxmlformats.org/drawingml/2006/main" xmlns:r="http://schemas.openxmlformats.org/officeDocument/2006/relationships" xmlns:p="http://schemas.openxmlformats.org/presentationml/2006/main">
   <p:tag name="OTLMARKERSHAPE" val="OTL"/>
 </p:tagLst>
@@ -9676,36 +16592,548 @@
 </p:tagLst>
 </file>
 
+<file path=ppt/tags/tag140.xml><?xml version="1.0" encoding="utf-8"?>
+<p:tagLst xmlns:a="http://schemas.openxmlformats.org/drawingml/2006/main" xmlns:r="http://schemas.openxmlformats.org/officeDocument/2006/relationships" xmlns:p="http://schemas.openxmlformats.org/presentationml/2006/main">
+  <p:tag name="OTLMARKERSHAPE" val="OTL"/>
+</p:tagLst>
+</file>
+
+<file path=ppt/tags/tag141.xml><?xml version="1.0" encoding="utf-8"?>
+<p:tagLst xmlns:a="http://schemas.openxmlformats.org/drawingml/2006/main" xmlns:r="http://schemas.openxmlformats.org/officeDocument/2006/relationships" xmlns:p="http://schemas.openxmlformats.org/presentationml/2006/main">
+  <p:tag name="OTLMARKERSHAPE" val="OTL"/>
+</p:tagLst>
+</file>
+
+<file path=ppt/tags/tag142.xml><?xml version="1.0" encoding="utf-8"?>
+<p:tagLst xmlns:a="http://schemas.openxmlformats.org/drawingml/2006/main" xmlns:r="http://schemas.openxmlformats.org/officeDocument/2006/relationships" xmlns:p="http://schemas.openxmlformats.org/presentationml/2006/main">
+  <p:tag name="OTLMARKERSHAPE" val="OTL"/>
+</p:tagLst>
+</file>
+
+<file path=ppt/tags/tag143.xml><?xml version="1.0" encoding="utf-8"?>
+<p:tagLst xmlns:a="http://schemas.openxmlformats.org/drawingml/2006/main" xmlns:r="http://schemas.openxmlformats.org/officeDocument/2006/relationships" xmlns:p="http://schemas.openxmlformats.org/presentationml/2006/main">
+  <p:tag name="OTLMARKERSHAPE" val="OTL"/>
+</p:tagLst>
+</file>
+
+<file path=ppt/tags/tag144.xml><?xml version="1.0" encoding="utf-8"?>
+<p:tagLst xmlns:a="http://schemas.openxmlformats.org/drawingml/2006/main" xmlns:r="http://schemas.openxmlformats.org/officeDocument/2006/relationships" xmlns:p="http://schemas.openxmlformats.org/presentationml/2006/main">
+  <p:tag name="OTLMARKERSHAPE" val="OTL"/>
+</p:tagLst>
+</file>
+
+<file path=ppt/tags/tag145.xml><?xml version="1.0" encoding="utf-8"?>
+<p:tagLst xmlns:a="http://schemas.openxmlformats.org/drawingml/2006/main" xmlns:r="http://schemas.openxmlformats.org/officeDocument/2006/relationships" xmlns:p="http://schemas.openxmlformats.org/presentationml/2006/main">
+  <p:tag name="OTLMARKERSHAPE" val="OTL"/>
+</p:tagLst>
+</file>
+
+<file path=ppt/tags/tag146.xml><?xml version="1.0" encoding="utf-8"?>
+<p:tagLst xmlns:a="http://schemas.openxmlformats.org/drawingml/2006/main" xmlns:r="http://schemas.openxmlformats.org/officeDocument/2006/relationships" xmlns:p="http://schemas.openxmlformats.org/presentationml/2006/main">
+  <p:tag name="OTLMARKERSHAPE" val="OTL"/>
+</p:tagLst>
+</file>
+
+<file path=ppt/tags/tag147.xml><?xml version="1.0" encoding="utf-8"?>
+<p:tagLst xmlns:a="http://schemas.openxmlformats.org/drawingml/2006/main" xmlns:r="http://schemas.openxmlformats.org/officeDocument/2006/relationships" xmlns:p="http://schemas.openxmlformats.org/presentationml/2006/main">
+  <p:tag name="OTLMARKERSHAPE" val="OTL"/>
+</p:tagLst>
+</file>
+
+<file path=ppt/tags/tag148.xml><?xml version="1.0" encoding="utf-8"?>
+<p:tagLst xmlns:a="http://schemas.openxmlformats.org/drawingml/2006/main" xmlns:r="http://schemas.openxmlformats.org/officeDocument/2006/relationships" xmlns:p="http://schemas.openxmlformats.org/presentationml/2006/main">
+  <p:tag name="OTLMARKERSHAPE" val="OTL"/>
+</p:tagLst>
+</file>
+
+<file path=ppt/tags/tag149.xml><?xml version="1.0" encoding="utf-8"?>
+<p:tagLst xmlns:a="http://schemas.openxmlformats.org/drawingml/2006/main" xmlns:r="http://schemas.openxmlformats.org/officeDocument/2006/relationships" xmlns:p="http://schemas.openxmlformats.org/presentationml/2006/main">
+  <p:tag name="OTLMARKERSHAPE" val="OTL"/>
+</p:tagLst>
+</file>
+
 <file path=ppt/tags/tag15.xml><?xml version="1.0" encoding="utf-8"?>
 <p:tagLst xmlns:a="http://schemas.openxmlformats.org/drawingml/2006/main" xmlns:r="http://schemas.openxmlformats.org/officeDocument/2006/relationships" xmlns:p="http://schemas.openxmlformats.org/presentationml/2006/main">
   <p:tag name="OTLMARKERSHAPE" val="OTL"/>
 </p:tagLst>
 </file>
 
+<file path=ppt/tags/tag150.xml><?xml version="1.0" encoding="utf-8"?>
+<p:tagLst xmlns:a="http://schemas.openxmlformats.org/drawingml/2006/main" xmlns:r="http://schemas.openxmlformats.org/officeDocument/2006/relationships" xmlns:p="http://schemas.openxmlformats.org/presentationml/2006/main">
+  <p:tag name="OTLMARKERSHAPE" val="OTL"/>
+  <p:tag name="OTLDATEFORMATSTRING" val="MMM d"/>
+  <p:tag name="OTLDATEFORMATSEPARATOR" val="/"/>
+  <p:tag name="OTLDATEFORMATUSEUS" val="True"/>
+  <p:tag name="OTLDATEFORMATDATEISVISIBLE" val="True"/>
+  <p:tag name="OTLDATEFORMATTIMEISVISIBLE" val="False"/>
+  <p:tag name="OTLDATEFORMATAMPMDESIGNATOR" val="AmPmLowerCase"/>
+  <p:tag name="OTLDATEFORMATHOURDIGITS" val="H"/>
+  <p:tag name="OTLDATEFORMATTRIM00MINUTES" val="False"/>
+  <p:tag name="OTLWEEKNUMBERINGFORMAT" val="WNFormat1"/>
+  <p:tag name="OTLWEEKNUMBERINGISVISIBLE" val="False"/>
+  <p:tag name="OTLSTARTDATE" val="2022-05-07T00:00:00.0000000Z"/>
+  <p:tag name="OTLENDDATE" val="2022-05-14T23:59:00.0000000Z"/>
+  <p:tag name="OTLDURATIONFORMAT" val="day"/>
+  <p:tag name="OTLSPACING" val="5"/>
+  <p:tag name="OTLSHAPETHICKNESSTYPE" val="Regular"/>
+</p:tagLst>
+</file>
+
+<file path=ppt/tags/tag151.xml><?xml version="1.0" encoding="utf-8"?>
+<p:tagLst xmlns:a="http://schemas.openxmlformats.org/drawingml/2006/main" xmlns:r="http://schemas.openxmlformats.org/officeDocument/2006/relationships" xmlns:p="http://schemas.openxmlformats.org/presentationml/2006/main">
+  <p:tag name="OTLMARKERSHAPE" val="OTL"/>
+  <p:tag name="OTLDATEFORMATSTRING" val="MMM d"/>
+  <p:tag name="OTLDATEFORMATSEPARATOR" val="/"/>
+  <p:tag name="OTLDATEFORMATUSEUS" val="True"/>
+  <p:tag name="OTLDATEFORMATDATEISVISIBLE" val="True"/>
+  <p:tag name="OTLDATEFORMATTIMEISVISIBLE" val="False"/>
+  <p:tag name="OTLDATEFORMATAMPMDESIGNATOR" val="AmPmLowerCase"/>
+  <p:tag name="OTLDATEFORMATHOURDIGITS" val="H"/>
+  <p:tag name="OTLDATEFORMATTRIM00MINUTES" val="False"/>
+  <p:tag name="OTLWEEKNUMBERINGFORMAT" val="WNFormat1"/>
+  <p:tag name="OTLWEEKNUMBERINGISVISIBLE" val="False"/>
+  <p:tag name="OTLSTARTDATE" val="2022-05-10T00:00:00.0000000Z"/>
+  <p:tag name="OTLENDDATE" val="2022-05-14T23:59:00.0000000Z"/>
+  <p:tag name="OTLDURATIONFORMAT" val="day"/>
+  <p:tag name="OTLSPACING" val="5"/>
+  <p:tag name="OTLSHAPETHICKNESSTYPE" val="Regular"/>
+</p:tagLst>
+</file>
+
+<file path=ppt/tags/tag152.xml><?xml version="1.0" encoding="utf-8"?>
+<p:tagLst xmlns:a="http://schemas.openxmlformats.org/drawingml/2006/main" xmlns:r="http://schemas.openxmlformats.org/officeDocument/2006/relationships" xmlns:p="http://schemas.openxmlformats.org/presentationml/2006/main">
+  <p:tag name="OTLMARKERSHAPE" val="OTL"/>
+  <p:tag name="OTLDATEFORMATSTRING" val="MMM d"/>
+  <p:tag name="OTLDATEFORMATSEPARATOR" val="/"/>
+  <p:tag name="OTLDATEFORMATUSEUS" val="True"/>
+  <p:tag name="OTLDATEFORMATDATEISVISIBLE" val="True"/>
+  <p:tag name="OTLDATEFORMATTIMEISVISIBLE" val="False"/>
+  <p:tag name="OTLDATEFORMATAMPMDESIGNATOR" val="AmPmLowerCase"/>
+  <p:tag name="OTLDATEFORMATHOURDIGITS" val="H"/>
+  <p:tag name="OTLDATEFORMATTRIM00MINUTES" val="False"/>
+  <p:tag name="OTLWEEKNUMBERINGFORMAT" val="WNFormat1"/>
+  <p:tag name="OTLWEEKNUMBERINGISVISIBLE" val="False"/>
+  <p:tag name="OTLSTARTDATE" val="2022-05-05T00:00:00.0000000Z"/>
+  <p:tag name="OTLENDDATE" val="2022-05-06T23:59:00.0000000Z"/>
+  <p:tag name="OTLDURATIONFORMAT" val="day"/>
+  <p:tag name="OTLSPACING" val="5"/>
+  <p:tag name="OTLSHAPETHICKNESSTYPE" val="Regular"/>
+</p:tagLst>
+</file>
+
+<file path=ppt/tags/tag153.xml><?xml version="1.0" encoding="utf-8"?>
+<p:tagLst xmlns:a="http://schemas.openxmlformats.org/drawingml/2006/main" xmlns:r="http://schemas.openxmlformats.org/officeDocument/2006/relationships" xmlns:p="http://schemas.openxmlformats.org/presentationml/2006/main">
+  <p:tag name="OTLMARKERSHAPE" val="OTL"/>
+  <p:tag name="OTLDATEFORMATSTRING" val="MMM d"/>
+  <p:tag name="OTLDATEFORMATSEPARATOR" val="/"/>
+  <p:tag name="OTLDATEFORMATUSEUS" val="True"/>
+  <p:tag name="OTLDATEFORMATDATEISVISIBLE" val="True"/>
+  <p:tag name="OTLDATEFORMATTIMEISVISIBLE" val="False"/>
+  <p:tag name="OTLDATEFORMATAMPMDESIGNATOR" val="AmPmLowerCase"/>
+  <p:tag name="OTLDATEFORMATHOURDIGITS" val="H"/>
+  <p:tag name="OTLDATEFORMATTRIM00MINUTES" val="False"/>
+  <p:tag name="OTLWEEKNUMBERINGFORMAT" val="WNFormat1"/>
+  <p:tag name="OTLWEEKNUMBERINGISVISIBLE" val="False"/>
+  <p:tag name="OTLSTARTDATE" val="2022-05-06T00:00:00.0000000Z"/>
+  <p:tag name="OTLENDDATE" val="2022-05-09T23:59:00.0000000Z"/>
+  <p:tag name="OTLDURATIONFORMAT" val="day"/>
+  <p:tag name="OTLSPACING" val="5"/>
+  <p:tag name="OTLSHAPETHICKNESSTYPE" val="Regular"/>
+</p:tagLst>
+</file>
+
+<file path=ppt/tags/tag154.xml><?xml version="1.0" encoding="utf-8"?>
+<p:tagLst xmlns:a="http://schemas.openxmlformats.org/drawingml/2006/main" xmlns:r="http://schemas.openxmlformats.org/officeDocument/2006/relationships" xmlns:p="http://schemas.openxmlformats.org/presentationml/2006/main">
+  <p:tag name="OTLMARKERSHAPE" val="OTL"/>
+  <p:tag name="OTLDATEFORMATSTRING" val="MMM d"/>
+  <p:tag name="OTLDATEFORMATSEPARATOR" val="/"/>
+  <p:tag name="OTLDATEFORMATUSEUS" val="True"/>
+  <p:tag name="OTLDATEFORMATDATEISVISIBLE" val="True"/>
+  <p:tag name="OTLDATEFORMATTIMEISVISIBLE" val="False"/>
+  <p:tag name="OTLDATEFORMATAMPMDESIGNATOR" val="AmPmLowerCase"/>
+  <p:tag name="OTLDATEFORMATHOURDIGITS" val="H"/>
+  <p:tag name="OTLDATEFORMATTRIM00MINUTES" val="False"/>
+  <p:tag name="OTLWEEKNUMBERINGFORMAT" val="WNFormat1"/>
+  <p:tag name="OTLWEEKNUMBERINGISVISIBLE" val="False"/>
+  <p:tag name="OTLSTARTDATE" val="2022-05-11T00:00:00.0000000Z"/>
+  <p:tag name="OTLENDDATE" val="2022-05-13T23:59:00.0000000Z"/>
+  <p:tag name="OTLDURATIONFORMAT" val="day"/>
+  <p:tag name="OTLSPACING" val="5"/>
+  <p:tag name="OTLSHAPETHICKNESSTYPE" val="Regular"/>
+</p:tagLst>
+</file>
+
+<file path=ppt/tags/tag155.xml><?xml version="1.0" encoding="utf-8"?>
+<p:tagLst xmlns:a="http://schemas.openxmlformats.org/drawingml/2006/main" xmlns:r="http://schemas.openxmlformats.org/officeDocument/2006/relationships" xmlns:p="http://schemas.openxmlformats.org/presentationml/2006/main">
+  <p:tag name="OTLMARKERSHAPE" val="OTL"/>
+  <p:tag name="OTLDATEFORMATSTRING" val="MMM d"/>
+  <p:tag name="OTLDATEFORMATSEPARATOR" val="/"/>
+  <p:tag name="OTLDATEFORMATUSEUS" val="True"/>
+  <p:tag name="OTLDATEFORMATDATEISVISIBLE" val="True"/>
+  <p:tag name="OTLDATEFORMATTIMEISVISIBLE" val="False"/>
+  <p:tag name="OTLDATEFORMATAMPMDESIGNATOR" val="AmPmLowerCase"/>
+  <p:tag name="OTLDATEFORMATHOURDIGITS" val="H"/>
+  <p:tag name="OTLDATEFORMATTRIM00MINUTES" val="False"/>
+  <p:tag name="OTLWEEKNUMBERINGFORMAT" val="WNFormat1"/>
+  <p:tag name="OTLWEEKNUMBERINGISVISIBLE" val="False"/>
+  <p:tag name="OTLSTARTDATE" val="2022-05-09T00:00:00.0000000Z"/>
+  <p:tag name="OTLENDDATE" val="2022-05-13T23:59:00.0000000Z"/>
+  <p:tag name="OTLDURATIONFORMAT" val="day"/>
+  <p:tag name="OTLSPACING" val="5"/>
+  <p:tag name="OTLSHAPETHICKNESSTYPE" val="Regular"/>
+</p:tagLst>
+</file>
+
+<file path=ppt/tags/tag156.xml><?xml version="1.0" encoding="utf-8"?>
+<p:tagLst xmlns:a="http://schemas.openxmlformats.org/drawingml/2006/main" xmlns:r="http://schemas.openxmlformats.org/officeDocument/2006/relationships" xmlns:p="http://schemas.openxmlformats.org/presentationml/2006/main">
+  <p:tag name="OTLMARKERSHAPE" val="OTL"/>
+  <p:tag name="OTLDATEFORMATSTRING" val="MMM d"/>
+  <p:tag name="OTLDATEFORMATSEPARATOR" val="/"/>
+  <p:tag name="OTLDATEFORMATUSEUS" val="True"/>
+  <p:tag name="OTLDATEFORMATDATEISVISIBLE" val="True"/>
+  <p:tag name="OTLDATEFORMATTIMEISVISIBLE" val="False"/>
+  <p:tag name="OTLDATEFORMATAMPMDESIGNATOR" val="AmPmLowerCase"/>
+  <p:tag name="OTLDATEFORMATHOURDIGITS" val="H"/>
+  <p:tag name="OTLDATEFORMATTRIM00MINUTES" val="False"/>
+  <p:tag name="OTLWEEKNUMBERINGFORMAT" val="WNFormat1"/>
+  <p:tag name="OTLWEEKNUMBERINGISVISIBLE" val="False"/>
+  <p:tag name="OTLSTARTDATE" val="2022-05-10T00:00:00.0000000Z"/>
+  <p:tag name="OTLENDDATE" val="2022-05-13T23:59:00.0000000Z"/>
+  <p:tag name="OTLDURATIONFORMAT" val="day"/>
+  <p:tag name="OTLSPACING" val="5"/>
+  <p:tag name="OTLSHAPETHICKNESSTYPE" val="Regular"/>
+</p:tagLst>
+</file>
+
+<file path=ppt/tags/tag157.xml><?xml version="1.0" encoding="utf-8"?>
+<p:tagLst xmlns:a="http://schemas.openxmlformats.org/drawingml/2006/main" xmlns:r="http://schemas.openxmlformats.org/officeDocument/2006/relationships" xmlns:p="http://schemas.openxmlformats.org/presentationml/2006/main">
+  <p:tag name="OTLMARKERSHAPE" val="OTL"/>
+  <p:tag name="OTLDATEFORMATSTRING" val="MMM d"/>
+  <p:tag name="OTLDATEFORMATSEPARATOR" val="/"/>
+  <p:tag name="OTLDATEFORMATUSEUS" val="True"/>
+  <p:tag name="OTLDATEFORMATDATEISVISIBLE" val="True"/>
+  <p:tag name="OTLDATEFORMATTIMEISVISIBLE" val="False"/>
+  <p:tag name="OTLDATEFORMATAMPMDESIGNATOR" val="AmPmLowerCase"/>
+  <p:tag name="OTLDATEFORMATHOURDIGITS" val="H"/>
+  <p:tag name="OTLDATEFORMATTRIM00MINUTES" val="False"/>
+  <p:tag name="OTLWEEKNUMBERINGFORMAT" val="WNFormat1"/>
+  <p:tag name="OTLWEEKNUMBERINGISVISIBLE" val="False"/>
+  <p:tag name="OTLSTARTDATE" val="2022-05-12T00:00:00.0000000Z"/>
+  <p:tag name="OTLENDDATE" val="2022-05-13T23:59:00.0000000Z"/>
+  <p:tag name="OTLDURATIONFORMAT" val="day"/>
+  <p:tag name="OTLSPACING" val="5"/>
+  <p:tag name="OTLSHAPETHICKNESSTYPE" val="Regular"/>
+</p:tagLst>
+</file>
+
+<file path=ppt/tags/tag158.xml><?xml version="1.0" encoding="utf-8"?>
+<p:tagLst xmlns:a="http://schemas.openxmlformats.org/drawingml/2006/main" xmlns:r="http://schemas.openxmlformats.org/officeDocument/2006/relationships" xmlns:p="http://schemas.openxmlformats.org/presentationml/2006/main">
+  <p:tag name="OTLMARKERSHAPE" val="OTL"/>
+  <p:tag name="OTLDATEFORMATSTRING" val="MMM d"/>
+  <p:tag name="OTLDATEFORMATSEPARATOR" val="/"/>
+  <p:tag name="OTLDATEFORMATUSEUS" val="True"/>
+  <p:tag name="OTLDATEFORMATDATEISVISIBLE" val="True"/>
+  <p:tag name="OTLDATEFORMATTIMEISVISIBLE" val="False"/>
+  <p:tag name="OTLDATEFORMATAMPMDESIGNATOR" val="AmPmLowerCase"/>
+  <p:tag name="OTLDATEFORMATHOURDIGITS" val="H"/>
+  <p:tag name="OTLDATEFORMATTRIM00MINUTES" val="False"/>
+  <p:tag name="OTLWEEKNUMBERINGFORMAT" val="WNFormat1"/>
+  <p:tag name="OTLWEEKNUMBERINGISVISIBLE" val="False"/>
+  <p:tag name="OTLSTARTDATE" val="2022-05-06T00:00:00.0000000Z"/>
+  <p:tag name="OTLENDDATE" val="2022-05-08T23:59:00.0000000Z"/>
+  <p:tag name="OTLDURATIONFORMAT" val="day"/>
+  <p:tag name="OTLSPACING" val="5"/>
+  <p:tag name="OTLSHAPETHICKNESSTYPE" val="Regular"/>
+</p:tagLst>
+</file>
+
+<file path=ppt/tags/tag159.xml><?xml version="1.0" encoding="utf-8"?>
+<p:tagLst xmlns:a="http://schemas.openxmlformats.org/drawingml/2006/main" xmlns:r="http://schemas.openxmlformats.org/officeDocument/2006/relationships" xmlns:p="http://schemas.openxmlformats.org/presentationml/2006/main">
+  <p:tag name="OTLMARKERSHAPE" val="OTL"/>
+  <p:tag name="OTLDATEFORMATSTRING" val="MMM d"/>
+  <p:tag name="OTLDATEFORMATSEPARATOR" val="/"/>
+  <p:tag name="OTLDATEFORMATUSEUS" val="True"/>
+  <p:tag name="OTLDATEFORMATDATEISVISIBLE" val="True"/>
+  <p:tag name="OTLDATEFORMATTIMEISVISIBLE" val="False"/>
+  <p:tag name="OTLDATEFORMATAMPMDESIGNATOR" val="AmPmLowerCase"/>
+  <p:tag name="OTLDATEFORMATHOURDIGITS" val="H"/>
+  <p:tag name="OTLDATEFORMATTRIM00MINUTES" val="False"/>
+  <p:tag name="OTLWEEKNUMBERINGFORMAT" val="WNFormat1"/>
+  <p:tag name="OTLWEEKNUMBERINGISVISIBLE" val="False"/>
+  <p:tag name="OTLSTARTDATE" val="2022-05-09T00:00:00.0000000Z"/>
+  <p:tag name="OTLENDDATE" val="2022-05-13T23:59:00.0000000Z"/>
+  <p:tag name="OTLDURATIONFORMAT" val="day"/>
+  <p:tag name="OTLSPACING" val="5"/>
+  <p:tag name="OTLSHAPETHICKNESSTYPE" val="Regular"/>
+</p:tagLst>
+</file>
+
 <file path=ppt/tags/tag16.xml><?xml version="1.0" encoding="utf-8"?>
 <p:tagLst xmlns:a="http://schemas.openxmlformats.org/drawingml/2006/main" xmlns:r="http://schemas.openxmlformats.org/officeDocument/2006/relationships" xmlns:p="http://schemas.openxmlformats.org/presentationml/2006/main">
   <p:tag name="OTLMARKERSHAPE" val="OTL"/>
 </p:tagLst>
 </file>
 
+<file path=ppt/tags/tag160.xml><?xml version="1.0" encoding="utf-8"?>
+<p:tagLst xmlns:a="http://schemas.openxmlformats.org/drawingml/2006/main" xmlns:r="http://schemas.openxmlformats.org/officeDocument/2006/relationships" xmlns:p="http://schemas.openxmlformats.org/presentationml/2006/main">
+  <p:tag name="OTLELAPSEDSTYLE" val="Thick"/>
+  <p:tag name="OTLMARKERSHAPE" val="OTL"/>
+</p:tagLst>
+</file>
+
+<file path=ppt/tags/tag161.xml><?xml version="1.0" encoding="utf-8"?>
+<p:tagLst xmlns:a="http://schemas.openxmlformats.org/drawingml/2006/main" xmlns:r="http://schemas.openxmlformats.org/officeDocument/2006/relationships" xmlns:p="http://schemas.openxmlformats.org/presentationml/2006/main">
+  <p:tag name="OTLMARKERSHAPE" val="OTL"/>
+</p:tagLst>
+</file>
+
+<file path=ppt/tags/tag162.xml><?xml version="1.0" encoding="utf-8"?>
+<p:tagLst xmlns:a="http://schemas.openxmlformats.org/drawingml/2006/main" xmlns:r="http://schemas.openxmlformats.org/officeDocument/2006/relationships" xmlns:p="http://schemas.openxmlformats.org/presentationml/2006/main">
+  <p:tag name="OTLMARKERSHAPE" val="OTL"/>
+</p:tagLst>
+</file>
+
+<file path=ppt/tags/tag163.xml><?xml version="1.0" encoding="utf-8"?>
+<p:tagLst xmlns:a="http://schemas.openxmlformats.org/drawingml/2006/main" xmlns:r="http://schemas.openxmlformats.org/officeDocument/2006/relationships" xmlns:p="http://schemas.openxmlformats.org/presentationml/2006/main">
+  <p:tag name="OTLMARKERSHAPE" val="OTL"/>
+</p:tagLst>
+</file>
+
+<file path=ppt/tags/tag164.xml><?xml version="1.0" encoding="utf-8"?>
+<p:tagLst xmlns:a="http://schemas.openxmlformats.org/drawingml/2006/main" xmlns:r="http://schemas.openxmlformats.org/officeDocument/2006/relationships" xmlns:p="http://schemas.openxmlformats.org/presentationml/2006/main">
+  <p:tag name="OTLMARKERSHAPE" val="OTL"/>
+</p:tagLst>
+</file>
+
+<file path=ppt/tags/tag165.xml><?xml version="1.0" encoding="utf-8"?>
+<p:tagLst xmlns:a="http://schemas.openxmlformats.org/drawingml/2006/main" xmlns:r="http://schemas.openxmlformats.org/officeDocument/2006/relationships" xmlns:p="http://schemas.openxmlformats.org/presentationml/2006/main">
+  <p:tag name="OTLMARKERSHAPE" val="OTL"/>
+</p:tagLst>
+</file>
+
+<file path=ppt/tags/tag166.xml><?xml version="1.0" encoding="utf-8"?>
+<p:tagLst xmlns:a="http://schemas.openxmlformats.org/drawingml/2006/main" xmlns:r="http://schemas.openxmlformats.org/officeDocument/2006/relationships" xmlns:p="http://schemas.openxmlformats.org/presentationml/2006/main">
+  <p:tag name="OTLMARKERSHAPE" val="OTL"/>
+</p:tagLst>
+</file>
+
+<file path=ppt/tags/tag167.xml><?xml version="1.0" encoding="utf-8"?>
+<p:tagLst xmlns:a="http://schemas.openxmlformats.org/drawingml/2006/main" xmlns:r="http://schemas.openxmlformats.org/officeDocument/2006/relationships" xmlns:p="http://schemas.openxmlformats.org/presentationml/2006/main">
+  <p:tag name="OTLMARKERSHAPE" val="OTL"/>
+</p:tagLst>
+</file>
+
+<file path=ppt/tags/tag168.xml><?xml version="1.0" encoding="utf-8"?>
+<p:tagLst xmlns:a="http://schemas.openxmlformats.org/drawingml/2006/main" xmlns:r="http://schemas.openxmlformats.org/officeDocument/2006/relationships" xmlns:p="http://schemas.openxmlformats.org/presentationml/2006/main">
+  <p:tag name="OTLMARKERSHAPE" val="OTL"/>
+</p:tagLst>
+</file>
+
+<file path=ppt/tags/tag169.xml><?xml version="1.0" encoding="utf-8"?>
+<p:tagLst xmlns:a="http://schemas.openxmlformats.org/drawingml/2006/main" xmlns:r="http://schemas.openxmlformats.org/officeDocument/2006/relationships" xmlns:p="http://schemas.openxmlformats.org/presentationml/2006/main">
+  <p:tag name="OTLMARKERSHAPE" val="OTL"/>
+</p:tagLst>
+</file>
+
 <file path=ppt/tags/tag17.xml><?xml version="1.0" encoding="utf-8"?>
 <p:tagLst xmlns:a="http://schemas.openxmlformats.org/drawingml/2006/main" xmlns:r="http://schemas.openxmlformats.org/officeDocument/2006/relationships" xmlns:p="http://schemas.openxmlformats.org/presentationml/2006/main">
   <p:tag name="OTLMARKERSHAPE" val="OTL"/>
 </p:tagLst>
 </file>
 
+<file path=ppt/tags/tag170.xml><?xml version="1.0" encoding="utf-8"?>
+<p:tagLst xmlns:a="http://schemas.openxmlformats.org/drawingml/2006/main" xmlns:r="http://schemas.openxmlformats.org/officeDocument/2006/relationships" xmlns:p="http://schemas.openxmlformats.org/presentationml/2006/main">
+  <p:tag name="OTLMARKERSHAPE" val="OTL"/>
+</p:tagLst>
+</file>
+
+<file path=ppt/tags/tag171.xml><?xml version="1.0" encoding="utf-8"?>
+<p:tagLst xmlns:a="http://schemas.openxmlformats.org/drawingml/2006/main" xmlns:r="http://schemas.openxmlformats.org/officeDocument/2006/relationships" xmlns:p="http://schemas.openxmlformats.org/presentationml/2006/main">
+  <p:tag name="OTLMARKERSHAPE" val="OTL"/>
+</p:tagLst>
+</file>
+
+<file path=ppt/tags/tag172.xml><?xml version="1.0" encoding="utf-8"?>
+<p:tagLst xmlns:a="http://schemas.openxmlformats.org/drawingml/2006/main" xmlns:r="http://schemas.openxmlformats.org/officeDocument/2006/relationships" xmlns:p="http://schemas.openxmlformats.org/presentationml/2006/main">
+  <p:tag name="OTLMARKERSHAPE" val="OTL"/>
+</p:tagLst>
+</file>
+
+<file path=ppt/tags/tag173.xml><?xml version="1.0" encoding="utf-8"?>
+<p:tagLst xmlns:a="http://schemas.openxmlformats.org/drawingml/2006/main" xmlns:r="http://schemas.openxmlformats.org/officeDocument/2006/relationships" xmlns:p="http://schemas.openxmlformats.org/presentationml/2006/main">
+  <p:tag name="OTLMARKERSHAPE" val="OTL"/>
+</p:tagLst>
+</file>
+
+<file path=ppt/tags/tag174.xml><?xml version="1.0" encoding="utf-8"?>
+<p:tagLst xmlns:a="http://schemas.openxmlformats.org/drawingml/2006/main" xmlns:r="http://schemas.openxmlformats.org/officeDocument/2006/relationships" xmlns:p="http://schemas.openxmlformats.org/presentationml/2006/main">
+  <p:tag name="OTLMARKERSHAPE" val="OTL"/>
+</p:tagLst>
+</file>
+
+<file path=ppt/tags/tag175.xml><?xml version="1.0" encoding="utf-8"?>
+<p:tagLst xmlns:a="http://schemas.openxmlformats.org/drawingml/2006/main" xmlns:r="http://schemas.openxmlformats.org/officeDocument/2006/relationships" xmlns:p="http://schemas.openxmlformats.org/presentationml/2006/main">
+  <p:tag name="OTLMARKERSHAPE" val="OTL"/>
+</p:tagLst>
+</file>
+
+<file path=ppt/tags/tag176.xml><?xml version="1.0" encoding="utf-8"?>
+<p:tagLst xmlns:a="http://schemas.openxmlformats.org/drawingml/2006/main" xmlns:r="http://schemas.openxmlformats.org/officeDocument/2006/relationships" xmlns:p="http://schemas.openxmlformats.org/presentationml/2006/main">
+  <p:tag name="OTLMARKERSHAPE" val="OTL"/>
+</p:tagLst>
+</file>
+
+<file path=ppt/tags/tag177.xml><?xml version="1.0" encoding="utf-8"?>
+<p:tagLst xmlns:a="http://schemas.openxmlformats.org/drawingml/2006/main" xmlns:r="http://schemas.openxmlformats.org/officeDocument/2006/relationships" xmlns:p="http://schemas.openxmlformats.org/presentationml/2006/main">
+  <p:tag name="OTLTODAYPOSITION" val="Auto"/>
+  <p:tag name="OTLMARKERSHAPE" val="OTL"/>
+</p:tagLst>
+</file>
+
+<file path=ppt/tags/tag178.xml><?xml version="1.0" encoding="utf-8"?>
+<p:tagLst xmlns:a="http://schemas.openxmlformats.org/drawingml/2006/main" xmlns:r="http://schemas.openxmlformats.org/officeDocument/2006/relationships" xmlns:p="http://schemas.openxmlformats.org/presentationml/2006/main">
+  <p:tag name="OTLMARKERSHAPE" val="OTL"/>
+</p:tagLst>
+</file>
+
+<file path=ppt/tags/tag179.xml><?xml version="1.0" encoding="utf-8"?>
+<p:tagLst xmlns:a="http://schemas.openxmlformats.org/drawingml/2006/main" xmlns:r="http://schemas.openxmlformats.org/officeDocument/2006/relationships" xmlns:p="http://schemas.openxmlformats.org/presentationml/2006/main">
+  <p:tag name="OTLMARKERSHAPE" val="OTL"/>
+</p:tagLst>
+</file>
+
 <file path=ppt/tags/tag18.xml><?xml version="1.0" encoding="utf-8"?>
 <p:tagLst xmlns:a="http://schemas.openxmlformats.org/drawingml/2006/main" xmlns:r="http://schemas.openxmlformats.org/officeDocument/2006/relationships" xmlns:p="http://schemas.openxmlformats.org/presentationml/2006/main">
   <p:tag name="OTLMARKERSHAPE" val="OTL"/>
 </p:tagLst>
 </file>
 
+<file path=ppt/tags/tag180.xml><?xml version="1.0" encoding="utf-8"?>
+<p:tagLst xmlns:a="http://schemas.openxmlformats.org/drawingml/2006/main" xmlns:r="http://schemas.openxmlformats.org/officeDocument/2006/relationships" xmlns:p="http://schemas.openxmlformats.org/presentationml/2006/main">
+  <p:tag name="OTLMARKERSHAPE" val="OTL"/>
+</p:tagLst>
+</file>
+
+<file path=ppt/tags/tag181.xml><?xml version="1.0" encoding="utf-8"?>
+<p:tagLst xmlns:a="http://schemas.openxmlformats.org/drawingml/2006/main" xmlns:r="http://schemas.openxmlformats.org/officeDocument/2006/relationships" xmlns:p="http://schemas.openxmlformats.org/presentationml/2006/main">
+  <p:tag name="OTLMARKERSHAPE" val="OTL"/>
+</p:tagLst>
+</file>
+
+<file path=ppt/tags/tag182.xml><?xml version="1.0" encoding="utf-8"?>
+<p:tagLst xmlns:a="http://schemas.openxmlformats.org/drawingml/2006/main" xmlns:r="http://schemas.openxmlformats.org/officeDocument/2006/relationships" xmlns:p="http://schemas.openxmlformats.org/presentationml/2006/main">
+  <p:tag name="OTLMARKERSHAPE" val="OTL"/>
+</p:tagLst>
+</file>
+
+<file path=ppt/tags/tag183.xml><?xml version="1.0" encoding="utf-8"?>
+<p:tagLst xmlns:a="http://schemas.openxmlformats.org/drawingml/2006/main" xmlns:r="http://schemas.openxmlformats.org/officeDocument/2006/relationships" xmlns:p="http://schemas.openxmlformats.org/presentationml/2006/main">
+  <p:tag name="OTLMARKERSHAPE" val="OTL"/>
+</p:tagLst>
+</file>
+
+<file path=ppt/tags/tag184.xml><?xml version="1.0" encoding="utf-8"?>
+<p:tagLst xmlns:a="http://schemas.openxmlformats.org/drawingml/2006/main" xmlns:r="http://schemas.openxmlformats.org/officeDocument/2006/relationships" xmlns:p="http://schemas.openxmlformats.org/presentationml/2006/main">
+  <p:tag name="OTLMARKERSHAPE" val="OTL"/>
+</p:tagLst>
+</file>
+
+<file path=ppt/tags/tag185.xml><?xml version="1.0" encoding="utf-8"?>
+<p:tagLst xmlns:a="http://schemas.openxmlformats.org/drawingml/2006/main" xmlns:r="http://schemas.openxmlformats.org/officeDocument/2006/relationships" xmlns:p="http://schemas.openxmlformats.org/presentationml/2006/main">
+  <p:tag name="OTLMARKERSHAPE" val="OTL"/>
+</p:tagLst>
+</file>
+
+<file path=ppt/tags/tag186.xml><?xml version="1.0" encoding="utf-8"?>
+<p:tagLst xmlns:a="http://schemas.openxmlformats.org/drawingml/2006/main" xmlns:r="http://schemas.openxmlformats.org/officeDocument/2006/relationships" xmlns:p="http://schemas.openxmlformats.org/presentationml/2006/main">
+  <p:tag name="OTLMARKERSHAPE" val="OTL"/>
+</p:tagLst>
+</file>
+
+<file path=ppt/tags/tag187.xml><?xml version="1.0" encoding="utf-8"?>
+<p:tagLst xmlns:a="http://schemas.openxmlformats.org/drawingml/2006/main" xmlns:r="http://schemas.openxmlformats.org/officeDocument/2006/relationships" xmlns:p="http://schemas.openxmlformats.org/presentationml/2006/main">
+  <p:tag name="OTLMARKERSHAPE" val="OTL"/>
+</p:tagLst>
+</file>
+
+<file path=ppt/tags/tag188.xml><?xml version="1.0" encoding="utf-8"?>
+<p:tagLst xmlns:a="http://schemas.openxmlformats.org/drawingml/2006/main" xmlns:r="http://schemas.openxmlformats.org/officeDocument/2006/relationships" xmlns:p="http://schemas.openxmlformats.org/presentationml/2006/main">
+  <p:tag name="OTLMARKERSHAPE" val="OTL"/>
+</p:tagLst>
+</file>
+
+<file path=ppt/tags/tag189.xml><?xml version="1.0" encoding="utf-8"?>
+<p:tagLst xmlns:a="http://schemas.openxmlformats.org/drawingml/2006/main" xmlns:r="http://schemas.openxmlformats.org/officeDocument/2006/relationships" xmlns:p="http://schemas.openxmlformats.org/presentationml/2006/main">
+  <p:tag name="OTLMARKERSHAPE" val="OTL"/>
+</p:tagLst>
+</file>
+
 <file path=ppt/tags/tag19.xml><?xml version="1.0" encoding="utf-8"?>
 <p:tagLst xmlns:a="http://schemas.openxmlformats.org/drawingml/2006/main" xmlns:r="http://schemas.openxmlformats.org/officeDocument/2006/relationships" xmlns:p="http://schemas.openxmlformats.org/presentationml/2006/main">
   <p:tag name="OTLMARKERSHAPE" val="OTL"/>
 </p:tagLst>
 </file>
 
+<file path=ppt/tags/tag190.xml><?xml version="1.0" encoding="utf-8"?>
+<p:tagLst xmlns:a="http://schemas.openxmlformats.org/drawingml/2006/main" xmlns:r="http://schemas.openxmlformats.org/officeDocument/2006/relationships" xmlns:p="http://schemas.openxmlformats.org/presentationml/2006/main">
+  <p:tag name="OTLMARKERSHAPE" val="OTL"/>
+</p:tagLst>
+</file>
+
+<file path=ppt/tags/tag191.xml><?xml version="1.0" encoding="utf-8"?>
+<p:tagLst xmlns:a="http://schemas.openxmlformats.org/drawingml/2006/main" xmlns:r="http://schemas.openxmlformats.org/officeDocument/2006/relationships" xmlns:p="http://schemas.openxmlformats.org/presentationml/2006/main">
+  <p:tag name="OTLMARKERSHAPE" val="OTL"/>
+</p:tagLst>
+</file>
+
+<file path=ppt/tags/tag192.xml><?xml version="1.0" encoding="utf-8"?>
+<p:tagLst xmlns:a="http://schemas.openxmlformats.org/drawingml/2006/main" xmlns:r="http://schemas.openxmlformats.org/officeDocument/2006/relationships" xmlns:p="http://schemas.openxmlformats.org/presentationml/2006/main">
+  <p:tag name="OTLMARKERSHAPE" val="OTL"/>
+</p:tagLst>
+</file>
+
+<file path=ppt/tags/tag193.xml><?xml version="1.0" encoding="utf-8"?>
+<p:tagLst xmlns:a="http://schemas.openxmlformats.org/drawingml/2006/main" xmlns:r="http://schemas.openxmlformats.org/officeDocument/2006/relationships" xmlns:p="http://schemas.openxmlformats.org/presentationml/2006/main">
+  <p:tag name="OTLMARKERSHAPE" val="OTL"/>
+</p:tagLst>
+</file>
+
+<file path=ppt/tags/tag194.xml><?xml version="1.0" encoding="utf-8"?>
+<p:tagLst xmlns:a="http://schemas.openxmlformats.org/drawingml/2006/main" xmlns:r="http://schemas.openxmlformats.org/officeDocument/2006/relationships" xmlns:p="http://schemas.openxmlformats.org/presentationml/2006/main">
+  <p:tag name="OTLMARKERSHAPE" val="OTL"/>
+</p:tagLst>
+</file>
+
+<file path=ppt/tags/tag195.xml><?xml version="1.0" encoding="utf-8"?>
+<p:tagLst xmlns:a="http://schemas.openxmlformats.org/drawingml/2006/main" xmlns:r="http://schemas.openxmlformats.org/officeDocument/2006/relationships" xmlns:p="http://schemas.openxmlformats.org/presentationml/2006/main">
+  <p:tag name="OTLMARKERSHAPE" val="OTL"/>
+</p:tagLst>
+</file>
+
+<file path=ppt/tags/tag196.xml><?xml version="1.0" encoding="utf-8"?>
+<p:tagLst xmlns:a="http://schemas.openxmlformats.org/drawingml/2006/main" xmlns:r="http://schemas.openxmlformats.org/officeDocument/2006/relationships" xmlns:p="http://schemas.openxmlformats.org/presentationml/2006/main">
+  <p:tag name="OTLMARKERSHAPE" val="OTL"/>
+</p:tagLst>
+</file>
+
+<file path=ppt/tags/tag197.xml><?xml version="1.0" encoding="utf-8"?>
+<p:tagLst xmlns:a="http://schemas.openxmlformats.org/drawingml/2006/main" xmlns:r="http://schemas.openxmlformats.org/officeDocument/2006/relationships" xmlns:p="http://schemas.openxmlformats.org/presentationml/2006/main">
+  <p:tag name="OTLMARKERSHAPE" val="OTL"/>
+</p:tagLst>
+</file>
+
+<file path=ppt/tags/tag198.xml><?xml version="1.0" encoding="utf-8"?>
+<p:tagLst xmlns:a="http://schemas.openxmlformats.org/drawingml/2006/main" xmlns:r="http://schemas.openxmlformats.org/officeDocument/2006/relationships" xmlns:p="http://schemas.openxmlformats.org/presentationml/2006/main">
+  <p:tag name="OTLMARKERSHAPE" val="OTL"/>
+</p:tagLst>
+</file>
+
+<file path=ppt/tags/tag199.xml><?xml version="1.0" encoding="utf-8"?>
+<p:tagLst xmlns:a="http://schemas.openxmlformats.org/drawingml/2006/main" xmlns:r="http://schemas.openxmlformats.org/officeDocument/2006/relationships" xmlns:p="http://schemas.openxmlformats.org/presentationml/2006/main">
+  <p:tag name="OTLMARKERSHAPE" val="OTL"/>
+</p:tagLst>
+</file>
+
 <file path=ppt/tags/tag2.xml><?xml version="1.0" encoding="utf-8"?>
 <p:tagLst xmlns:a="http://schemas.openxmlformats.org/drawingml/2006/main" xmlns:r="http://schemas.openxmlformats.org/officeDocument/2006/relationships" xmlns:p="http://schemas.openxmlformats.org/presentationml/2006/main">
   <p:tag name="OTLMARKERSHAPE" val="OTL"/>
@@ -9718,31 +17146,379 @@
 </p:tagLst>
 </file>
 
+<file path=ppt/tags/tag200.xml><?xml version="1.0" encoding="utf-8"?>
+<p:tagLst xmlns:a="http://schemas.openxmlformats.org/drawingml/2006/main" xmlns:r="http://schemas.openxmlformats.org/officeDocument/2006/relationships" xmlns:p="http://schemas.openxmlformats.org/presentationml/2006/main">
+  <p:tag name="OTLMARKERSHAPE" val="OTL"/>
+</p:tagLst>
+</file>
+
+<file path=ppt/tags/tag201.xml><?xml version="1.0" encoding="utf-8"?>
+<p:tagLst xmlns:a="http://schemas.openxmlformats.org/drawingml/2006/main" xmlns:r="http://schemas.openxmlformats.org/officeDocument/2006/relationships" xmlns:p="http://schemas.openxmlformats.org/presentationml/2006/main">
+  <p:tag name="OTLMARKERSHAPE" val="OTL"/>
+</p:tagLst>
+</file>
+
+<file path=ppt/tags/tag202.xml><?xml version="1.0" encoding="utf-8"?>
+<p:tagLst xmlns:a="http://schemas.openxmlformats.org/drawingml/2006/main" xmlns:r="http://schemas.openxmlformats.org/officeDocument/2006/relationships" xmlns:p="http://schemas.openxmlformats.org/presentationml/2006/main">
+  <p:tag name="OTLMARKERSHAPE" val="OTL"/>
+</p:tagLst>
+</file>
+
+<file path=ppt/tags/tag203.xml><?xml version="1.0" encoding="utf-8"?>
+<p:tagLst xmlns:a="http://schemas.openxmlformats.org/drawingml/2006/main" xmlns:r="http://schemas.openxmlformats.org/officeDocument/2006/relationships" xmlns:p="http://schemas.openxmlformats.org/presentationml/2006/main">
+  <p:tag name="OTLMARKERSHAPE" val="OTL"/>
+</p:tagLst>
+</file>
+
+<file path=ppt/tags/tag204.xml><?xml version="1.0" encoding="utf-8"?>
+<p:tagLst xmlns:a="http://schemas.openxmlformats.org/drawingml/2006/main" xmlns:r="http://schemas.openxmlformats.org/officeDocument/2006/relationships" xmlns:p="http://schemas.openxmlformats.org/presentationml/2006/main">
+  <p:tag name="OTLMARKERSHAPE" val="OTL"/>
+</p:tagLst>
+</file>
+
+<file path=ppt/tags/tag205.xml><?xml version="1.0" encoding="utf-8"?>
+<p:tagLst xmlns:a="http://schemas.openxmlformats.org/drawingml/2006/main" xmlns:r="http://schemas.openxmlformats.org/officeDocument/2006/relationships" xmlns:p="http://schemas.openxmlformats.org/presentationml/2006/main">
+  <p:tag name="OTLMARKERSHAPE" val="OTL"/>
+</p:tagLst>
+</file>
+
+<file path=ppt/tags/tag206.xml><?xml version="1.0" encoding="utf-8"?>
+<p:tagLst xmlns:a="http://schemas.openxmlformats.org/drawingml/2006/main" xmlns:r="http://schemas.openxmlformats.org/officeDocument/2006/relationships" xmlns:p="http://schemas.openxmlformats.org/presentationml/2006/main">
+  <p:tag name="OTLMARKERSHAPE" val="OTL"/>
+</p:tagLst>
+</file>
+
+<file path=ppt/tags/tag207.xml><?xml version="1.0" encoding="utf-8"?>
+<p:tagLst xmlns:a="http://schemas.openxmlformats.org/drawingml/2006/main" xmlns:r="http://schemas.openxmlformats.org/officeDocument/2006/relationships" xmlns:p="http://schemas.openxmlformats.org/presentationml/2006/main">
+  <p:tag name="OTLMARKERSHAPE" val="OTL"/>
+</p:tagLst>
+</file>
+
+<file path=ppt/tags/tag208.xml><?xml version="1.0" encoding="utf-8"?>
+<p:tagLst xmlns:a="http://schemas.openxmlformats.org/drawingml/2006/main" xmlns:r="http://schemas.openxmlformats.org/officeDocument/2006/relationships" xmlns:p="http://schemas.openxmlformats.org/presentationml/2006/main">
+  <p:tag name="OTLMARKERSHAPE" val="OTL"/>
+</p:tagLst>
+</file>
+
+<file path=ppt/tags/tag209.xml><?xml version="1.0" encoding="utf-8"?>
+<p:tagLst xmlns:a="http://schemas.openxmlformats.org/drawingml/2006/main" xmlns:r="http://schemas.openxmlformats.org/officeDocument/2006/relationships" xmlns:p="http://schemas.openxmlformats.org/presentationml/2006/main">
+  <p:tag name="OTLMARKERSHAPE" val="OTL"/>
+</p:tagLst>
+</file>
+
 <file path=ppt/tags/tag21.xml><?xml version="1.0" encoding="utf-8"?>
 <p:tagLst xmlns:a="http://schemas.openxmlformats.org/drawingml/2006/main" xmlns:r="http://schemas.openxmlformats.org/officeDocument/2006/relationships" xmlns:p="http://schemas.openxmlformats.org/presentationml/2006/main">
   <p:tag name="OTLMARKERSHAPE" val="OTL"/>
 </p:tagLst>
 </file>
 
+<file path=ppt/tags/tag210.xml><?xml version="1.0" encoding="utf-8"?>
+<p:tagLst xmlns:a="http://schemas.openxmlformats.org/drawingml/2006/main" xmlns:r="http://schemas.openxmlformats.org/officeDocument/2006/relationships" xmlns:p="http://schemas.openxmlformats.org/presentationml/2006/main">
+  <p:tag name="OTLMARKERSHAPE" val="OTL"/>
+</p:tagLst>
+</file>
+
+<file path=ppt/tags/tag211.xml><?xml version="1.0" encoding="utf-8"?>
+<p:tagLst xmlns:a="http://schemas.openxmlformats.org/drawingml/2006/main" xmlns:r="http://schemas.openxmlformats.org/officeDocument/2006/relationships" xmlns:p="http://schemas.openxmlformats.org/presentationml/2006/main">
+  <p:tag name="OTLMARKERSHAPE" val="OTL"/>
+</p:tagLst>
+</file>
+
+<file path=ppt/tags/tag212.xml><?xml version="1.0" encoding="utf-8"?>
+<p:tagLst xmlns:a="http://schemas.openxmlformats.org/drawingml/2006/main" xmlns:r="http://schemas.openxmlformats.org/officeDocument/2006/relationships" xmlns:p="http://schemas.openxmlformats.org/presentationml/2006/main">
+  <p:tag name="OTLMARKERSHAPE" val="OTL"/>
+</p:tagLst>
+</file>
+
+<file path=ppt/tags/tag213.xml><?xml version="1.0" encoding="utf-8"?>
+<p:tagLst xmlns:a="http://schemas.openxmlformats.org/drawingml/2006/main" xmlns:r="http://schemas.openxmlformats.org/officeDocument/2006/relationships" xmlns:p="http://schemas.openxmlformats.org/presentationml/2006/main">
+  <p:tag name="OTLMARKERSHAPE" val="OTL"/>
+</p:tagLst>
+</file>
+
+<file path=ppt/tags/tag214.xml><?xml version="1.0" encoding="utf-8"?>
+<p:tagLst xmlns:a="http://schemas.openxmlformats.org/drawingml/2006/main" xmlns:r="http://schemas.openxmlformats.org/officeDocument/2006/relationships" xmlns:p="http://schemas.openxmlformats.org/presentationml/2006/main">
+  <p:tag name="OTLMARKERSHAPE" val="OTL"/>
+</p:tagLst>
+</file>
+
+<file path=ppt/tags/tag215.xml><?xml version="1.0" encoding="utf-8"?>
+<p:tagLst xmlns:a="http://schemas.openxmlformats.org/drawingml/2006/main" xmlns:r="http://schemas.openxmlformats.org/officeDocument/2006/relationships" xmlns:p="http://schemas.openxmlformats.org/presentationml/2006/main">
+  <p:tag name="OTLMARKERSHAPE" val="OTL"/>
+</p:tagLst>
+</file>
+
+<file path=ppt/tags/tag216.xml><?xml version="1.0" encoding="utf-8"?>
+<p:tagLst xmlns:a="http://schemas.openxmlformats.org/drawingml/2006/main" xmlns:r="http://schemas.openxmlformats.org/officeDocument/2006/relationships" xmlns:p="http://schemas.openxmlformats.org/presentationml/2006/main">
+  <p:tag name="OTLMARKERSHAPE" val="OTL"/>
+</p:tagLst>
+</file>
+
+<file path=ppt/tags/tag217.xml><?xml version="1.0" encoding="utf-8"?>
+<p:tagLst xmlns:a="http://schemas.openxmlformats.org/drawingml/2006/main" xmlns:r="http://schemas.openxmlformats.org/officeDocument/2006/relationships" xmlns:p="http://schemas.openxmlformats.org/presentationml/2006/main">
+  <p:tag name="OTLMARKERSHAPE" val="OTL"/>
+</p:tagLst>
+</file>
+
+<file path=ppt/tags/tag218.xml><?xml version="1.0" encoding="utf-8"?>
+<p:tagLst xmlns:a="http://schemas.openxmlformats.org/drawingml/2006/main" xmlns:r="http://schemas.openxmlformats.org/officeDocument/2006/relationships" xmlns:p="http://schemas.openxmlformats.org/presentationml/2006/main">
+  <p:tag name="OTLMARKERSHAPE" val="OTL"/>
+</p:tagLst>
+</file>
+
+<file path=ppt/tags/tag219.xml><?xml version="1.0" encoding="utf-8"?>
+<p:tagLst xmlns:a="http://schemas.openxmlformats.org/drawingml/2006/main" xmlns:r="http://schemas.openxmlformats.org/officeDocument/2006/relationships" xmlns:p="http://schemas.openxmlformats.org/presentationml/2006/main">
+  <p:tag name="OTLMARKERSHAPE" val="OTL"/>
+</p:tagLst>
+</file>
+
 <file path=ppt/tags/tag22.xml><?xml version="1.0" encoding="utf-8"?>
 <p:tagLst xmlns:a="http://schemas.openxmlformats.org/drawingml/2006/main" xmlns:r="http://schemas.openxmlformats.org/officeDocument/2006/relationships" xmlns:p="http://schemas.openxmlformats.org/presentationml/2006/main">
   <p:tag name="OTLMARKERSHAPE" val="OTL"/>
 </p:tagLst>
 </file>
 
+<file path=ppt/tags/tag220.xml><?xml version="1.0" encoding="utf-8"?>
+<p:tagLst xmlns:a="http://schemas.openxmlformats.org/drawingml/2006/main" xmlns:r="http://schemas.openxmlformats.org/officeDocument/2006/relationships" xmlns:p="http://schemas.openxmlformats.org/presentationml/2006/main">
+  <p:tag name="OTLMARKERSHAPE" val="OTL"/>
+</p:tagLst>
+</file>
+
+<file path=ppt/tags/tag221.xml><?xml version="1.0" encoding="utf-8"?>
+<p:tagLst xmlns:a="http://schemas.openxmlformats.org/drawingml/2006/main" xmlns:r="http://schemas.openxmlformats.org/officeDocument/2006/relationships" xmlns:p="http://schemas.openxmlformats.org/presentationml/2006/main">
+  <p:tag name="OTLMARKERSHAPE" val="OTL"/>
+</p:tagLst>
+</file>
+
+<file path=ppt/tags/tag222.xml><?xml version="1.0" encoding="utf-8"?>
+<p:tagLst xmlns:a="http://schemas.openxmlformats.org/drawingml/2006/main" xmlns:r="http://schemas.openxmlformats.org/officeDocument/2006/relationships" xmlns:p="http://schemas.openxmlformats.org/presentationml/2006/main">
+  <p:tag name="OTLMARKERSHAPE" val="OTL"/>
+</p:tagLst>
+</file>
+
+<file path=ppt/tags/tag223.xml><?xml version="1.0" encoding="utf-8"?>
+<p:tagLst xmlns:a="http://schemas.openxmlformats.org/drawingml/2006/main" xmlns:r="http://schemas.openxmlformats.org/officeDocument/2006/relationships" xmlns:p="http://schemas.openxmlformats.org/presentationml/2006/main">
+  <p:tag name="OTLMARKERSHAPE" val="OTL"/>
+</p:tagLst>
+</file>
+
+<file path=ppt/tags/tag224.xml><?xml version="1.0" encoding="utf-8"?>
+<p:tagLst xmlns:a="http://schemas.openxmlformats.org/drawingml/2006/main" xmlns:r="http://schemas.openxmlformats.org/officeDocument/2006/relationships" xmlns:p="http://schemas.openxmlformats.org/presentationml/2006/main">
+  <p:tag name="OTLMARKERSHAPE" val="OTL"/>
+</p:tagLst>
+</file>
+
+<file path=ppt/tags/tag225.xml><?xml version="1.0" encoding="utf-8"?>
+<p:tagLst xmlns:a="http://schemas.openxmlformats.org/drawingml/2006/main" xmlns:r="http://schemas.openxmlformats.org/officeDocument/2006/relationships" xmlns:p="http://schemas.openxmlformats.org/presentationml/2006/main">
+  <p:tag name="OTLMARKERSHAPE" val="OTL"/>
+</p:tagLst>
+</file>
+
+<file path=ppt/tags/tag226.xml><?xml version="1.0" encoding="utf-8"?>
+<p:tagLst xmlns:a="http://schemas.openxmlformats.org/drawingml/2006/main" xmlns:r="http://schemas.openxmlformats.org/officeDocument/2006/relationships" xmlns:p="http://schemas.openxmlformats.org/presentationml/2006/main">
+  <p:tag name="OTLMARKERSHAPE" val="OTL"/>
+</p:tagLst>
+</file>
+
+<file path=ppt/tags/tag227.xml><?xml version="1.0" encoding="utf-8"?>
+<p:tagLst xmlns:a="http://schemas.openxmlformats.org/drawingml/2006/main" xmlns:r="http://schemas.openxmlformats.org/officeDocument/2006/relationships" xmlns:p="http://schemas.openxmlformats.org/presentationml/2006/main">
+  <p:tag name="OTLMARKERSHAPE" val="OTL"/>
+</p:tagLst>
+</file>
+
+<file path=ppt/tags/tag228.xml><?xml version="1.0" encoding="utf-8"?>
+<p:tagLst xmlns:a="http://schemas.openxmlformats.org/drawingml/2006/main" xmlns:r="http://schemas.openxmlformats.org/officeDocument/2006/relationships" xmlns:p="http://schemas.openxmlformats.org/presentationml/2006/main">
+  <p:tag name="OTLMARKERSHAPE" val="OTL"/>
+</p:tagLst>
+</file>
+
+<file path=ppt/tags/tag229.xml><?xml version="1.0" encoding="utf-8"?>
+<p:tagLst xmlns:a="http://schemas.openxmlformats.org/drawingml/2006/main" xmlns:r="http://schemas.openxmlformats.org/officeDocument/2006/relationships" xmlns:p="http://schemas.openxmlformats.org/presentationml/2006/main">
+  <p:tag name="OTLMARKERSHAPE" val="OTL"/>
+</p:tagLst>
+</file>
+
 <file path=ppt/tags/tag23.xml><?xml version="1.0" encoding="utf-8"?>
 <p:tagLst xmlns:a="http://schemas.openxmlformats.org/drawingml/2006/main" xmlns:r="http://schemas.openxmlformats.org/officeDocument/2006/relationships" xmlns:p="http://schemas.openxmlformats.org/presentationml/2006/main">
   <p:tag name="OTLMARKERSHAPE" val="OTL"/>
 </p:tagLst>
 </file>
 
+<file path=ppt/tags/tag230.xml><?xml version="1.0" encoding="utf-8"?>
+<p:tagLst xmlns:a="http://schemas.openxmlformats.org/drawingml/2006/main" xmlns:r="http://schemas.openxmlformats.org/officeDocument/2006/relationships" xmlns:p="http://schemas.openxmlformats.org/presentationml/2006/main">
+  <p:tag name="OTLMARKERSHAPE" val="OTL"/>
+</p:tagLst>
+</file>
+
+<file path=ppt/tags/tag231.xml><?xml version="1.0" encoding="utf-8"?>
+<p:tagLst xmlns:a="http://schemas.openxmlformats.org/drawingml/2006/main" xmlns:r="http://schemas.openxmlformats.org/officeDocument/2006/relationships" xmlns:p="http://schemas.openxmlformats.org/presentationml/2006/main">
+  <p:tag name="OTLMARKERSHAPE" val="OTL"/>
+</p:tagLst>
+</file>
+
+<file path=ppt/tags/tag232.xml><?xml version="1.0" encoding="utf-8"?>
+<p:tagLst xmlns:a="http://schemas.openxmlformats.org/drawingml/2006/main" xmlns:r="http://schemas.openxmlformats.org/officeDocument/2006/relationships" xmlns:p="http://schemas.openxmlformats.org/presentationml/2006/main">
+  <p:tag name="OTLMARKERSHAPE" val="OTL"/>
+</p:tagLst>
+</file>
+
+<file path=ppt/tags/tag233.xml><?xml version="1.0" encoding="utf-8"?>
+<p:tagLst xmlns:a="http://schemas.openxmlformats.org/drawingml/2006/main" xmlns:r="http://schemas.openxmlformats.org/officeDocument/2006/relationships" xmlns:p="http://schemas.openxmlformats.org/presentationml/2006/main">
+  <p:tag name="OTLMARKERSHAPE" val="OTL"/>
+</p:tagLst>
+</file>
+
+<file path=ppt/tags/tag234.xml><?xml version="1.0" encoding="utf-8"?>
+<p:tagLst xmlns:a="http://schemas.openxmlformats.org/drawingml/2006/main" xmlns:r="http://schemas.openxmlformats.org/officeDocument/2006/relationships" xmlns:p="http://schemas.openxmlformats.org/presentationml/2006/main">
+  <p:tag name="OTLMARKERSHAPE" val="OTL"/>
+</p:tagLst>
+</file>
+
+<file path=ppt/tags/tag235.xml><?xml version="1.0" encoding="utf-8"?>
+<p:tagLst xmlns:a="http://schemas.openxmlformats.org/drawingml/2006/main" xmlns:r="http://schemas.openxmlformats.org/officeDocument/2006/relationships" xmlns:p="http://schemas.openxmlformats.org/presentationml/2006/main">
+  <p:tag name="OTLMARKERSHAPE" val="OTL"/>
+</p:tagLst>
+</file>
+
+<file path=ppt/tags/tag236.xml><?xml version="1.0" encoding="utf-8"?>
+<p:tagLst xmlns:a="http://schemas.openxmlformats.org/drawingml/2006/main" xmlns:r="http://schemas.openxmlformats.org/officeDocument/2006/relationships" xmlns:p="http://schemas.openxmlformats.org/presentationml/2006/main">
+  <p:tag name="OTLMARKERSHAPE" val="OTL"/>
+</p:tagLst>
+</file>
+
+<file path=ppt/tags/tag237.xml><?xml version="1.0" encoding="utf-8"?>
+<p:tagLst xmlns:a="http://schemas.openxmlformats.org/drawingml/2006/main" xmlns:r="http://schemas.openxmlformats.org/officeDocument/2006/relationships" xmlns:p="http://schemas.openxmlformats.org/presentationml/2006/main">
+  <p:tag name="OTLMARKERSHAPE" val="OTL"/>
+</p:tagLst>
+</file>
+
+<file path=ppt/tags/tag238.xml><?xml version="1.0" encoding="utf-8"?>
+<p:tagLst xmlns:a="http://schemas.openxmlformats.org/drawingml/2006/main" xmlns:r="http://schemas.openxmlformats.org/officeDocument/2006/relationships" xmlns:p="http://schemas.openxmlformats.org/presentationml/2006/main">
+  <p:tag name="OTLMARKERSHAPE" val="OTL"/>
+</p:tagLst>
+</file>
+
+<file path=ppt/tags/tag239.xml><?xml version="1.0" encoding="utf-8"?>
+<p:tagLst xmlns:a="http://schemas.openxmlformats.org/drawingml/2006/main" xmlns:r="http://schemas.openxmlformats.org/officeDocument/2006/relationships" xmlns:p="http://schemas.openxmlformats.org/presentationml/2006/main">
+  <p:tag name="OTLMARKERSHAPE" val="OTL"/>
+</p:tagLst>
+</file>
+
 <file path=ppt/tags/tag24.xml><?xml version="1.0" encoding="utf-8"?>
 <p:tagLst xmlns:a="http://schemas.openxmlformats.org/drawingml/2006/main" xmlns:r="http://schemas.openxmlformats.org/officeDocument/2006/relationships" xmlns:p="http://schemas.openxmlformats.org/presentationml/2006/main">
   <p:tag name="OTLMARKERSHAPE" val="OTL"/>
 </p:tagLst>
 </file>
 
+<file path=ppt/tags/tag240.xml><?xml version="1.0" encoding="utf-8"?>
+<p:tagLst xmlns:a="http://schemas.openxmlformats.org/drawingml/2006/main" xmlns:r="http://schemas.openxmlformats.org/officeDocument/2006/relationships" xmlns:p="http://schemas.openxmlformats.org/presentationml/2006/main">
+  <p:tag name="OTLMARKERSHAPE" val="OTL"/>
+</p:tagLst>
+</file>
+
+<file path=ppt/tags/tag241.xml><?xml version="1.0" encoding="utf-8"?>
+<p:tagLst xmlns:a="http://schemas.openxmlformats.org/drawingml/2006/main" xmlns:r="http://schemas.openxmlformats.org/officeDocument/2006/relationships" xmlns:p="http://schemas.openxmlformats.org/presentationml/2006/main">
+  <p:tag name="OTLMARKERSHAPE" val="OTL"/>
+</p:tagLst>
+</file>
+
+<file path=ppt/tags/tag242.xml><?xml version="1.0" encoding="utf-8"?>
+<p:tagLst xmlns:a="http://schemas.openxmlformats.org/drawingml/2006/main" xmlns:r="http://schemas.openxmlformats.org/officeDocument/2006/relationships" xmlns:p="http://schemas.openxmlformats.org/presentationml/2006/main">
+  <p:tag name="OTLMARKERSHAPE" val="OTL"/>
+</p:tagLst>
+</file>
+
+<file path=ppt/tags/tag243.xml><?xml version="1.0" encoding="utf-8"?>
+<p:tagLst xmlns:a="http://schemas.openxmlformats.org/drawingml/2006/main" xmlns:r="http://schemas.openxmlformats.org/officeDocument/2006/relationships" xmlns:p="http://schemas.openxmlformats.org/presentationml/2006/main">
+  <p:tag name="OTLMARKERSHAPE" val="OTL"/>
+</p:tagLst>
+</file>
+
+<file path=ppt/tags/tag244.xml><?xml version="1.0" encoding="utf-8"?>
+<p:tagLst xmlns:a="http://schemas.openxmlformats.org/drawingml/2006/main" xmlns:r="http://schemas.openxmlformats.org/officeDocument/2006/relationships" xmlns:p="http://schemas.openxmlformats.org/presentationml/2006/main">
+  <p:tag name="OTLMARKERSHAPE" val="OTL"/>
+</p:tagLst>
+</file>
+
+<file path=ppt/tags/tag245.xml><?xml version="1.0" encoding="utf-8"?>
+<p:tagLst xmlns:a="http://schemas.openxmlformats.org/drawingml/2006/main" xmlns:r="http://schemas.openxmlformats.org/officeDocument/2006/relationships" xmlns:p="http://schemas.openxmlformats.org/presentationml/2006/main">
+  <p:tag name="OTLMARKERSHAPE" val="OTL"/>
+</p:tagLst>
+</file>
+
+<file path=ppt/tags/tag246.xml><?xml version="1.0" encoding="utf-8"?>
+<p:tagLst xmlns:a="http://schemas.openxmlformats.org/drawingml/2006/main" xmlns:r="http://schemas.openxmlformats.org/officeDocument/2006/relationships" xmlns:p="http://schemas.openxmlformats.org/presentationml/2006/main">
+  <p:tag name="OTLMARKERSHAPE" val="OTL"/>
+</p:tagLst>
+</file>
+
+<file path=ppt/tags/tag247.xml><?xml version="1.0" encoding="utf-8"?>
+<p:tagLst xmlns:a="http://schemas.openxmlformats.org/drawingml/2006/main" xmlns:r="http://schemas.openxmlformats.org/officeDocument/2006/relationships" xmlns:p="http://schemas.openxmlformats.org/presentationml/2006/main">
+  <p:tag name="OTLMARKERSHAPE" val="OTL"/>
+</p:tagLst>
+</file>
+
+<file path=ppt/tags/tag248.xml><?xml version="1.0" encoding="utf-8"?>
+<p:tagLst xmlns:a="http://schemas.openxmlformats.org/drawingml/2006/main" xmlns:r="http://schemas.openxmlformats.org/officeDocument/2006/relationships" xmlns:p="http://schemas.openxmlformats.org/presentationml/2006/main">
+  <p:tag name="OTLMARKERSHAPE" val="OTL"/>
+</p:tagLst>
+</file>
+
+<file path=ppt/tags/tag249.xml><?xml version="1.0" encoding="utf-8"?>
+<p:tagLst xmlns:a="http://schemas.openxmlformats.org/drawingml/2006/main" xmlns:r="http://schemas.openxmlformats.org/officeDocument/2006/relationships" xmlns:p="http://schemas.openxmlformats.org/presentationml/2006/main">
+  <p:tag name="OTLMARKERSHAPE" val="OTL"/>
+</p:tagLst>
+</file>
+
 <file path=ppt/tags/tag25.xml><?xml version="1.0" encoding="utf-8"?>
+<p:tagLst xmlns:a="http://schemas.openxmlformats.org/drawingml/2006/main" xmlns:r="http://schemas.openxmlformats.org/officeDocument/2006/relationships" xmlns:p="http://schemas.openxmlformats.org/presentationml/2006/main">
+  <p:tag name="OTLMARKERSHAPE" val="OTL"/>
+</p:tagLst>
+</file>
+
+<file path=ppt/tags/tag250.xml><?xml version="1.0" encoding="utf-8"?>
+<p:tagLst xmlns:a="http://schemas.openxmlformats.org/drawingml/2006/main" xmlns:r="http://schemas.openxmlformats.org/officeDocument/2006/relationships" xmlns:p="http://schemas.openxmlformats.org/presentationml/2006/main">
+  <p:tag name="OTLMARKERSHAPE" val="OTL"/>
+</p:tagLst>
+</file>
+
+<file path=ppt/tags/tag251.xml><?xml version="1.0" encoding="utf-8"?>
+<p:tagLst xmlns:a="http://schemas.openxmlformats.org/drawingml/2006/main" xmlns:r="http://schemas.openxmlformats.org/officeDocument/2006/relationships" xmlns:p="http://schemas.openxmlformats.org/presentationml/2006/main">
+  <p:tag name="OTLMARKERSHAPE" val="OTL"/>
+</p:tagLst>
+</file>
+
+<file path=ppt/tags/tag252.xml><?xml version="1.0" encoding="utf-8"?>
+<p:tagLst xmlns:a="http://schemas.openxmlformats.org/drawingml/2006/main" xmlns:r="http://schemas.openxmlformats.org/officeDocument/2006/relationships" xmlns:p="http://schemas.openxmlformats.org/presentationml/2006/main">
+  <p:tag name="OTLMARKERSHAPE" val="OTL"/>
+</p:tagLst>
+</file>
+
+<file path=ppt/tags/tag253.xml><?xml version="1.0" encoding="utf-8"?>
+<p:tagLst xmlns:a="http://schemas.openxmlformats.org/drawingml/2006/main" xmlns:r="http://schemas.openxmlformats.org/officeDocument/2006/relationships" xmlns:p="http://schemas.openxmlformats.org/presentationml/2006/main">
+  <p:tag name="OTLMARKERSHAPE" val="OTL"/>
+</p:tagLst>
+</file>
+
+<file path=ppt/tags/tag254.xml><?xml version="1.0" encoding="utf-8"?>
+<p:tagLst xmlns:a="http://schemas.openxmlformats.org/drawingml/2006/main" xmlns:r="http://schemas.openxmlformats.org/officeDocument/2006/relationships" xmlns:p="http://schemas.openxmlformats.org/presentationml/2006/main">
+  <p:tag name="OTLMARKERSHAPE" val="OTL"/>
+</p:tagLst>
+</file>
+
+<file path=ppt/tags/tag255.xml><?xml version="1.0" encoding="utf-8"?>
+<p:tagLst xmlns:a="http://schemas.openxmlformats.org/drawingml/2006/main" xmlns:r="http://schemas.openxmlformats.org/officeDocument/2006/relationships" xmlns:p="http://schemas.openxmlformats.org/presentationml/2006/main">
+  <p:tag name="OTLMARKERSHAPE" val="OTL"/>
+</p:tagLst>
+</file>
+
+<file path=ppt/tags/tag256.xml><?xml version="1.0" encoding="utf-8"?>
+<p:tagLst xmlns:a="http://schemas.openxmlformats.org/drawingml/2006/main" xmlns:r="http://schemas.openxmlformats.org/officeDocument/2006/relationships" xmlns:p="http://schemas.openxmlformats.org/presentationml/2006/main">
+  <p:tag name="OTLMARKERSHAPE" val="OTL"/>
+</p:tagLst>
+</file>
+
+<file path=ppt/tags/tag257.xml><?xml version="1.0" encoding="utf-8"?>
 <p:tagLst xmlns:a="http://schemas.openxmlformats.org/drawingml/2006/main" xmlns:r="http://schemas.openxmlformats.org/officeDocument/2006/relationships" xmlns:p="http://schemas.openxmlformats.org/presentationml/2006/main">
   <p:tag name="OTLMARKERSHAPE" val="OTL"/>
 </p:tagLst>

--- a/Concept/Car-Project Schedule.pptx
+++ b/Concept/Car-Project Schedule.pptx
@@ -10887,8 +10887,8 @@
         </p:nvSpPr>
         <p:spPr>
           <a:xfrm>
-            <a:off x="4014489" y="3983355"/>
-            <a:ext cx="7175500" cy="203200"/>
+            <a:off x="7598467" y="3983355"/>
+            <a:ext cx="3594100" cy="203200"/>
           </a:xfrm>
           <a:prstGeom prst="roundRect">
             <a:avLst>
@@ -10965,7 +10965,7 @@
         <p:spPr>
           <a:xfrm>
             <a:off x="6702472" y="4250055"/>
-            <a:ext cx="4483100" cy="203200"/>
+            <a:ext cx="3594100" cy="203200"/>
           </a:xfrm>
           <a:prstGeom prst="roundRect">
             <a:avLst>
@@ -11658,7 +11658,7 @@
         <p:spPr>
           <a:xfrm>
             <a:off x="2057400" y="3048000"/>
-            <a:ext cx="8318500" cy="381000"/>
+            <a:ext cx="8382000" cy="381000"/>
           </a:xfrm>
           <a:prstGeom prst="roundRect">
             <a:avLst>
@@ -11734,7 +11734,7 @@
         </p:nvSpPr>
         <p:spPr>
           <a:xfrm>
-            <a:off x="4014489" y="3983355"/>
+            <a:off x="7598467" y="3983355"/>
             <a:ext cx="0" cy="0"/>
           </a:xfrm>
           <a:prstGeom prst="roundRect">
@@ -12524,7 +12524,7 @@
         </p:nvSpPr>
         <p:spPr>
           <a:xfrm>
-            <a:off x="12700" y="-271991"/>
+            <a:off x="12700" y="-356629"/>
             <a:ext cx="0" cy="0"/>
           </a:xfrm>
           <a:prstGeom prst="rect">
@@ -12559,7 +12559,7 @@
         </p:nvSpPr>
         <p:spPr>
           <a:xfrm>
-            <a:off x="12700" y="-271991"/>
+            <a:off x="12700" y="-356629"/>
             <a:ext cx="0" cy="0"/>
           </a:xfrm>
           <a:prstGeom prst="rect">
@@ -12639,7 +12639,7 @@
         </p:nvSpPr>
         <p:spPr>
           <a:xfrm>
-            <a:off x="12700" y="-271991"/>
+            <a:off x="12700" y="-356629"/>
             <a:ext cx="0" cy="169277"/>
           </a:xfrm>
           <a:prstGeom prst="rect">
@@ -12674,7 +12674,7 @@
         </p:nvSpPr>
         <p:spPr>
           <a:xfrm>
-            <a:off x="10313708" y="3429000"/>
+            <a:off x="10376438" y="3429000"/>
             <a:ext cx="114300" cy="127000"/>
           </a:xfrm>
           <a:prstGeom prst="triangle">
@@ -12740,7 +12740,7 @@
         </p:nvSpPr>
         <p:spPr>
           <a:xfrm>
-            <a:off x="10188008" y="3556000"/>
+            <a:off x="10250739" y="3556000"/>
             <a:ext cx="368300" cy="186055"/>
           </a:xfrm>
           <a:prstGeom prst="rect">
@@ -12756,7 +12756,7 @@
           <a:p>
             <a:pPr algn="ctr"/>
             <a:r>
-              <a:rPr lang="en-US" sz="1200" spc="-14" smtClean="0">
+              <a:rPr lang="en-US" sz="1200" spc="-12" smtClean="0">
                 <a:solidFill>
                   <a:schemeClr val="dk1"/>
                 </a:solidFill>
@@ -12764,7 +12764,7 @@
               </a:rPr>
               <a:t>Today</a:t>
             </a:r>
-            <a:endParaRPr lang="en-US" sz="1200" spc="-14">
+            <a:endParaRPr lang="en-US" sz="1200" spc="-12">
               <a:solidFill>
                 <a:schemeClr val="dk1"/>
               </a:solidFill>
@@ -12786,7 +12786,7 @@
         <p:spPr>
           <a:xfrm>
             <a:off x="2286000" y="3145473"/>
-            <a:ext cx="341760" cy="186055"/>
+            <a:ext cx="348172" cy="186055"/>
           </a:xfrm>
           <a:prstGeom prst="rect">
             <a:avLst/>
@@ -13225,8 +13225,8 @@
         </p:nvSpPr>
         <p:spPr>
           <a:xfrm>
-            <a:off x="12700" y="-233521"/>
-            <a:ext cx="330200" cy="165100"/>
+            <a:off x="12700" y="-227915"/>
+            <a:ext cx="330200" cy="153888"/>
           </a:xfrm>
           <a:prstGeom prst="rect">
             <a:avLst/>
@@ -13246,7 +13246,7 @@
                 </a:solidFill>
                 <a:latin typeface="Calibri" panose="020F0502020204030204" pitchFamily="34" charset="0"/>
               </a:rPr>
-              <a:t>5 days</a:t>
+              <a:t>3 days</a:t>
             </a:r>
             <a:endParaRPr lang="en-US" sz="1000">
               <a:solidFill>
@@ -13340,8 +13340,8 @@
         </p:nvSpPr>
         <p:spPr>
           <a:xfrm>
-            <a:off x="3646062" y="4007443"/>
-            <a:ext cx="330200" cy="155025"/>
+            <a:off x="7165651" y="4007443"/>
+            <a:ext cx="393700" cy="155025"/>
           </a:xfrm>
           <a:prstGeom prst="rect">
             <a:avLst/>
@@ -13362,7 +13362,7 @@
                 </a:solidFill>
                 <a:latin typeface="Calibri" panose="020F0502020204030204" pitchFamily="34" charset="0"/>
               </a:rPr>
-              <a:t>May 7</a:t>
+              <a:t>May 11</a:t>
             </a:r>
             <a:endParaRPr lang="en-US" sz="1000" spc="-8">
               <a:solidFill>
@@ -13430,7 +13430,7 @@
         </p:nvSpPr>
         <p:spPr>
           <a:xfrm>
-            <a:off x="7096464" y="3999696"/>
+            <a:off x="8888453" y="3999696"/>
             <a:ext cx="1016000" cy="170519"/>
           </a:xfrm>
           <a:prstGeom prst="rect">
@@ -13635,7 +13635,7 @@
         </p:nvSpPr>
         <p:spPr>
           <a:xfrm>
-            <a:off x="11232623" y="4274143"/>
+            <a:off x="10336628" y="4274143"/>
             <a:ext cx="393700" cy="155025"/>
           </a:xfrm>
           <a:prstGeom prst="rect">
@@ -13657,7 +13657,7 @@
                 </a:solidFill>
                 <a:latin typeface="Calibri" panose="020F0502020204030204" pitchFamily="34" charset="0"/>
               </a:rPr>
-              <a:t>May 14</a:t>
+              <a:t>May 13</a:t>
             </a:r>
             <a:endParaRPr lang="en-US" sz="1000" spc="-8">
               <a:solidFill>
@@ -13680,7 +13680,7 @@
         </p:nvSpPr>
         <p:spPr>
           <a:xfrm>
-            <a:off x="8633707" y="4266396"/>
+            <a:off x="8185710" y="4266396"/>
             <a:ext cx="622300" cy="170519"/>
           </a:xfrm>
           <a:prstGeom prst="rect">
@@ -16441,7 +16441,7 @@
 
 <file path=ppt/tags/tag125.xml><?xml version="1.0" encoding="utf-8"?>
 <p:tagLst xmlns:a="http://schemas.openxmlformats.org/drawingml/2006/main" xmlns:r="http://schemas.openxmlformats.org/officeDocument/2006/relationships" xmlns:p="http://schemas.openxmlformats.org/presentationml/2006/main">
-  <p:tag name="__PART_0" val="eyIkaWQiOiIxIiwiX3N3aW1sYW5lc1YyIjpbeyIkaWQiOiIyIiwiX2FjdGl2aXRpZXMiOlt7IiRpZCI6IjMiLCJfcm93cyI6W3siJGlkIjoiNCIsIl90YXNrcyI6W3siJGlkIjoiNSIsIl9hdHRhY2hlZE1pbGVzdG9uZXMiOltdLCJUYXNrRGVmaW5pdGlvbiI6eyIkaWQiOiI2IiwiR3JvdXBOYW1lIjpudWxsLCJTdGFydERhdGUiOiIyMDIyLTA1LTA3VDAwOjAwOjAwWiIsIkVuZERhdGUiOiIyMDIyLTA1LTE0VDIzOjU5OjAwWiIsIlBlcmNlbnRhZ2VDb21wbGV0ZSI6bnVsbCwiU3R5bGUiOnsiJGlkIjoiNyIsIlNoYXBlIjoyLCJTaGFwZVRoaWNrbmVzcyI6MSwiRHVyYXRpb25Gb3JtYXQiOjAsIkluY2x1ZGVOb25Xb3JraW5nRGF5c0luRHVyYXRpb24iOmZhbHNlLCJQZXJjZW50YWdlQ29tcGxldGVTdHlsZSI6eyIkaWQiOiI4IiwiRm9udFNldHRpbmdzIjp7IiRpZCI6IjkiLCJGb250U2l6ZSI6MTAsIkZvbnROYW1lIjoiQ2FsaWJyaSIsIklzQm9sZCI6ZmFsc2UsIklzSXRhbGljIjpmYWxzZSwiSXNVbmRlcmxpbmVkIjpmYWxzZSwiUGFyZW50U3R5bGUiOm51bGx9LCJBdXRvU2l6ZSI6MCwiRm9yZWdyb3VuZCI6eyIkaWQiOiIxMCIsIkNvbG9yIjp7IiRpZCI6IjExIiwiQSI6MjU1LCJSIjoyMzcsIkciOjEyNSwiQiI6NDl9fSwiTWF4V2lkdGgiOjIwMC4wLCJNYXhIZWlnaHQiOiJJbmZpbml0eSIsIlNtYXJ0Rm9yZWdyb3VuZElzQWN0aXZlIjpmYWxzZSwiSG9yaXpvbnRhbEFsaWdubWVudCI6MCwiVmVydGljYWxBbGlnbm1lbnQiOjAsIlNtYXJ0Rm9yZWdyb3VuZCI6bnVsbCwiQmFja2dyb3VuZEZpbGxUeXBlIjowLCJNYXJnaW4iOnsiJGlkIjoiMTIiLCJUb3AiOjAuMCwiTGVmdCI6MC4wLCJSaWdodCI6MC4wLCJCb3R0b20iOjAuMH0sIlBhZGRpbmciOnsiJGlkIjoiMTMiLCJUb3AiOjAuMCwiTGVmdCI6MC4wLCJSaWdodCI6MC4wLCJCb3R0b20iOjAuMH0sIkJhY2tncm91bmQiOnsiJGlkIjoiMTQiLCJDb2xvciI6eyIkaWQiOiIxNSIsIkEiOjg5LCJSIjowLCJHIjowLCJCIjowfX0sIklzVmlzaWJsZSI6dHJ1ZSwiV2lkdGgiOjAuMCwiSGVpZ2h0IjowLjAsIkJvcmRlclN0eWxlIjp7IiRpZCI6IjE2IiwiTGluZUNvbG9yIjpudWxsLCJMaW5lV2VpZ2h0IjowLjAsIkxpbmVUeXBlIjowLCJQYXJlbnRTdHlsZSI6bnVsbH0sIlBhcmVudFN0eWxlIjpudWxsfSwiRHVyYXRpb25TdHlsZSI6eyIkaWQiOiIxNyIsIkZvbnRTZXR0aW5ncyI6eyIkaWQiOiIxOCIsIkZvbnRTaXplIjoxMCwiRm9udE5hbWUiOiJDYWxpYnJpIiwiSXNCb2xkIjpmYWxzZSwiSXNJdGFsaWMiOmZhbHNlLCJJc1VuZGVybGluZWQiOmZhbHNlLCJQYXJlbnRTdHlsZSI6bnVsbH0sIkF1dG9TaXplIjowLCJGb3JlZ3JvdW5kIjp7IiRpZCI6IjE5IiwiQ29sb3IiOnsiJGlkIjoiMjAiLCJBIjoyNTUsIlIiOjIzNywiRyI6MTI1LCJCIjo0OX19LCJNYXhXaWR0aCI6MjAwLjAsIk1heEhlaWdodCI6IkluZmluaXR5IiwiU21hcnRGb3JlZ3JvdW5kSXNBY3RpdmUiOmZhbHNlLCJIb3Jpem9udGFsQWxpZ25tZW50IjowLCJWZXJ0aWNhbEFsaWdubWVudCI6MCwiU21hcnRGb3JlZ3JvdW5kIjpudWxsLCJCYWNrZ3JvdW5kRmlsbFR5cGUiOjAsIk1hcmdpbiI6eyIkaWQiOiIyMSIsIlRvcCI6MC4wLCJMZWZ0IjowLjAsIlJpZ2h0IjowLjAsIkJvdHRvbSI6MC4wfSwiUGFkZGluZyI6eyIkaWQiOiIyMiIsIlRvcCI6MC4wLCJMZWZ0IjowLjAsIlJpZ2h0IjowLjAsIkJvdHRvbSI6MC4wfSwiQmFja2dyb3VuZCI6eyIkaWQiOiIyMyIsIkNvbG9yIjp7IiRyZWYiOiIxNSJ9fSwiSXNWaXNpYmxlIjp0cnVlLCJXaWR0aCI6MC4wLCJIZWlnaHQiOjAuMCwiQm9yZGVyU3R5bGUiOnsiJGlkIjoiMjQiLCJMaW5lQ29sb3IiOm51bGwsIkxpbmVXZWlnaHQiOjAuMCwiTGluZVR5cGUiOjAsIlBhcmVudFN0eWxlIjpudWxsfSwiUGFyZW50U3R5bGUiOm51bGx9LCJIb3Jpem9udGFsQ29ubmVjdG9yU3R5bGUiOnsiJGlkIjoiMjUiLCJMaW5lQ29sb3IiOnsiJGlkIjoiMjYiLCIkdHlwZSI6Ik5MUkUuQ29tbW9uLkRvbS5Tb2xpZENvbG9yQnJ1c2gsIE5MUkUuQ29tbW9uIiwiQ29sb3IiOnsiJGlkIjoiMjciLCJBIjoyNTUsIlIiOjIwNCwiRyI6MjA0LCJCIjoyMDR9fSwiTGluZVdlaWdodCI6MS4wLCJMaW5lVHlwZSI6MCwiUGFyZW50U3R5bGUiOm51bGx9LCJWZXJ0aWNhbENvbm5lY3RvclN0eWxlIjp7IiRpZCI6IjI4IiwiTGluZUNvbG9yIjp7IiRpZCI6IjI5IiwiJHR5cGUiOiJOTFJFLkNvbW1vbi5Eb20uU29saWRDb2xvckJydXNoLCBOTFJFLkNvbW1vbiIsIkNvbG9yIjp7IiRpZCI6IjMwIiwiQSI6MjU1LCJSIjoyMDQsIkciOjIwNCwiQiI6MjA0fX0sIkxpbmVXZWlnaHQiOjAuMCwiTGluZVR5cGUiOjAsIlBhcmVudFN0eWxlIjpudWxsfSwiTWFyZ2luIjpudWxsLCJTdGFydERhdGVQb3NpdGlvbiI6MywiRW5kRGF0ZVBvc2l0aW9uIjo0LCJEYXRlSXNWaXNpYmxlIjp0cnVlLCJUaXRsZVBvc2l0aW9uIjoyLCJEdXJhdGlvblBvc2l0aW9uIjo2LCJQZXJjZW50YWdlQ29tcGxldGVkUG9zaXRpb24iOjYsIlNwYWNpbmciOjUsIklzQmVsb3dUaW1lYmFuZCI6dHJ1ZSwiUGVyY2VudGFnZUNvbXBsZXRlU2hhcGVPcGFjaXR5IjozNSwiU2hhcGVTdHlsZSI6eyIkaWQiOiIzMSIsIk1hcmdpbiI6eyIkaWQiOiIzMiIsIlRvcCI6MC4wLCJMZWZ0Ijo0LjAsIlJpZ2h0Ijo0LjAsIkJvdHRvbSI6MC4wfSwiUGFkZGluZyI6eyIkaWQiOiIzMyIsIlRvcCI6MC4wLCJMZWZ0IjowLjAsIlJpZ2h0IjowLjAsIkJvdHRvbSI6MC4wfSwiQmFja2dyb3VuZCI6eyIkaWQiOiIzNCIsIkNvbG9yIjp7IiRpZCI6IjM1IiwiQSI6MjU1LCJSIjo5MSwiRyI6MTU1LCJCIjoyMTN9fSwiSXNWaXNpYmxlIjp0cnVlLCJXaWR0aCI6MC4wLCJIZWlnaHQiOjE2LjAsIkJvcmRlclN0eWxlIjp7IiRpZCI6IjM2IiwiTGluZUNvbG9yIjp7IiRpZCI6IjM3IiwiJHR5cGUiOiJOTFJFLkNvbW1vbi5Eb20uU29saWRDb2xvckJydXNoLCBOTFJFLkNvbW1vbiIsIkNvbG9yIjp7IiRpZCI6IjM4IiwiQSI6MjU1LCJSIjoyNTUsIkciOjAsIkIiOjB9fSwiTGluZVdlaWdodCI6MC4wLCJMaW5lVHlwZSI6MCwiUGFyZW50U3R5bGUiOm51bGx9LCJQYXJlbnRTdHlsZSI6bnVsbH0sIlRpdGxlU3R5bGUiOnsiJGlkIjoiMzkiLCJGb250U2V0dGluZ3MiOnsiJGlkIjoiNDAiLCJGb250U2l6ZSI6MTEsIkZvbnROYW1lIjoiQ2FsaWJyaSIsIklzQm9sZCI6dHJ1ZSwiSXNJdGFsaWMiOmZhbHNlLCJJc1VuZGVybGluZWQiOmZhbHNlLCJQYXJlbnRTdHlsZSI6bnVsbH0sIkF1dG9TaXplIjowLCJGb3JlZ3JvdW5kIjp7IiRpZCI6IjQxIiwiQ29sb3IiOnsiJGlkIjoiNDIiLCJBIjoyNTUsIlIiOjAsIkciOjAsIkIiOjB9fSwiTWF4V2lkdGgiOjcyMC4wLCJNYXhIZWlnaHQiOiJJbmZpbml0eSIsIlNtYXJ0Rm9yZWdyb3VuZElzQWN0aXZlIjpmYWxzZSwiSG9yaXpvbnRhbEFsaWdubWVudCI6MSwiVmVydGljYWxBbGlnbm1lbnQiOjAsIlNtYXJ0Rm9yZWdyb3VuZCI6bnVsbCwiQmFja2dyb3VuZEZpbGxUeXBlIjowLCJNYXJnaW4iOnsiJGlkIjoiNDMiLCJUb3AiOjAuMCwiTGVmdCI6MC4wLCJSaWdodCI6MC4wLCJCb3R0b20iOjAuMH0sIlBhZGRpbmciOnsiJGlkIjoiNDQiLCJUb3AiOjAuMCwiTGVmdCI6MC4wLCJSaWdodCI6MC4wLCJCb3R0b20iOjAuMH0sIkJhY2tncm91bmQiOnsiJGlkIjoiNDUiLCJDb2xvciI6eyIkaWQiOiI0NiIsIkEiOjAsIlIiOjI1NSwiRyI6MjU1LCJCIjoyNTV9fSwiSXNWaXNpYmxlIjp0cnVlLCJXaWR0aCI6MC4wLCJIZWlnaHQiOjAuMCwiQm9yZGVyU3R5bGUiOnsiJGlkIjoiNDciLCJMaW5lQ29sb3IiOm51bGwsIkxpbmVXZWlnaHQiOjAuMCwiTGluZVR5cGUiOjAsIlBhcmVudFN0eWxlIjpudWxsfSwiUGFyZW50U3R5bGUiOm51bGx9LCJEYXRlU3R5bGUiOnsiJGlkIjoiNDgiLCJGb250U2V0dGluZ3MiOnsiJGlkIjoiNDkiLCJGb250U2l6ZSI6MTAsIkZvbnROYW1lIjoiQ2FsaWJyaSIsIklzQm9sZCI6ZmFsc2UsIklzSXRhbGljIjpmYWxzZSwiSXNVbmRlcmxpbmVkIjpmYWxzZSwiUGFyZW50U3R5bGUiOm51bGx9LCJBdXRvU2l6ZSI6MCwiRm9yZWdyb3VuZCI6eyIkaWQiOiI1MCIsIkNvbG9yIjp7IiRpZCI6IjUxIiwiQSI6MjU1LCJSIjo2OCwiRyI6ODQsIkIiOjEwNn19LCJNYXhXaWR0aCI6MjAwLjAsIk1heEhlaWdodCI6IkluZmluaXR5IiwiU21hcnRGb3JlZ3JvdW5kSXNBY3RpdmUiOmZhbHNlLCJIb3Jpem9udGFsQWxpZ25tZW50IjoxLCJWZXJ0aWNhbEFsaWdubWVudCI6MCwiU21hcnRGb3JlZ3JvdW5kIjpudWxsLCJCYWNrZ3JvdW5kRmlsbFR5cGUiOjAsIk1hcmdpbiI6eyIkaWQiOiI1MiIsIlRvcCI6MC4wLCJMZWZ0IjowLjAsIlJpZ2h0IjowLjAsIkJvdHRvbSI6MC4wfSwiUGFkZGluZyI6eyIkaWQiOiI1MyIsIlRvcCI6MC4wLCJMZWZ0IjowLjAsIlJpZ2h0IjowLjAsIkJvdHRvbSI6MC4wfSwiQmFja2dyb3VuZCI6eyIkaWQiOiI1NCIsIkNvbG9yIjp7IiRpZCI6IjU1IiwiQSI6MCwiUiI6MjU1LCJHIjoyNTUsIkIiOjI1NX19LCJJc1Zpc2libGUiOnRydWUsIldpZHRoIjowLjAsIkhlaWdodCI6MC4wLCJCb3JkZXJTdHlsZSI6eyIkaWQiOiI1NiIsIkxpbmVDb2xvciI6bnVsbCwiTGluZVdlaWdodCI6MC4wLCJMaW5lVHlwZSI6MCwiUGFyZW50U3R5bGUiOm51bGx9LCJQYXJlbnRTdHlsZSI6bnVsbH0sIkRhdGVGb3JtYXQiOnsiJGlkIjoiNTciLCJGb3JtYXRTdHJpbmciOiJNTU0gZCIsIlNlcGFyYXRvciI6Ii8iLCJVc2VJbnRlcm5hdGlvbmFsRGF0ZUZvcm1hdCI6ZmFsc2UsIkRhdGVJc1Zpc2libGUiOnRydWUsIlRpbWVJc1Zpc2libGUiOmZhbHNlLCJIb3VyRGlnaXRzIjoxLCJBbVBtRGVzaWduYXRvciI6MiwiVHJpbTAwTWludXRlcyI6ZmFsc2UsIkxhc3RLbm93blZpc2liaWxpdHlTdGF0ZSI6bnVsbH0sIldlZWtOdW1iZXJpbmciOnsiJGlkIjoiNTgiLCJGb3JtYXQiOjAsIklzVmlzaWJsZSI6ZmFsc2UsIkxhc3RLbm93blZpc2liaWxpdHlTdGF0ZSI6ZmFsc2V9LCJJc1Zpc2libGUiOnRydWUsIlBhcmVudFN0eWxlIjpudWxsfSwiSW5kZXgiOjEsIlNtYXJ0RHVyYXRpb25BY3RpdmF0ZWQiOmZhbHNlLCJEYXRlRm9ybWF0Ijp7IiRyZWYiOiI1NyJ9LCJXZWVrTnVtYmVyaW5nIjp7IiRpZCI6IjU5IiwiRm9ybWF0IjowLCJJc1Zpc2libGUiOmZhbHNlLCJMYXN0S25vd25WaXNpYmlsaXR5U3RhdGUiOmZhbHNlfSwiSWQiOiIwMTk0YjRhYy04MGQzLTQ2NWEtODJmNi03NjE4NjYwNjM5ZTciLCJJbXBvcnRJZCI6bnVsbCwiVGl0bGUiOiJSZWdpc3RyYXRpb24gUGFnZSIsIk5vdGUiOm51bGwsIkh5cGVybGluayI6eyIkaWQiOiI2MCIsIkFkZHJlc3MiOiIiLCJTdWJBZGRyZXNzIjoiIn0sIklzQ2hhbmdlZCI6ZmFsc2UsIklzTmV3IjpmYWxzZX19XSwiX21pbGVzdG9uZXMiOltdLCJJZCI6IjAwMDAwMDAwLTAwMDAtMDAwMC0wMDAwLTAwMDAwMDAwMDAwMCIsIklzU2luZ2xlSXRlbVJvdyI6dHJ1ZX0seyIkaWQiOiI2MSIsIl90YXNrcyI6W3siJGlkIjoiNjIiLCJfYXR0YWNoZWRNaWxlc3RvbmVzIjpbXSwiVGFza0RlZmluaXRpb24iOnsiJGlkIjoiNjMiLCJHcm91cE5hbWUiOm51bGwsIlN0YXJ0RGF0ZSI6IjIwMjItMDUtMTBUMDA6MDA6MDBaIiwiRW5kRGF0ZSI6IjIwMjItMDUtMTRUMjM6NTk6MDBaIiwiUGVyY2VudGFnZUNvbXBsZXRlIjpudWxsLCJTdHlsZSI6eyIkaWQiOiI2NCIsIlNoYXBlIjoyLCJTaGFwZVRoaWNrbmVzcyI6MSwiRHVyYXRpb25Gb3JtYXQiOjAsIkluY2x1ZGVOb25Xb3JraW5nRGF5c0luRHVyYXRpb24iOmZhbHNlLCJQZXJjZW50YWdlQ29tcGxldGVTdHlsZSI6eyIkaWQiOiI2NSIsIkZvbnRTZXR0aW5ncyI6eyIkaWQiOiI2NiIsIkZvbnRTaXplIjoxMCwiRm9udE5hbWUiOiJDYWxpYnJpIiwiSXNCb2xkIjpmYWxzZSwiSXNJdGFsaWMiOmZhbHNlLCJJc1VuZGVybGluZWQiOmZhbHNlLCJQYXJlbnRTdHlsZSI6bnVsbH0sIkF1dG9TaXplIjowLCJGb3JlZ3JvdW5kIjp7IiRyZWYiOiIxMCJ9LCJNYXhXaWR0aCI6MjAwLjAsIk1heEhlaWdodCI6IkluZmluaXR5IiwiU21hcnRGb3JlZ3JvdW5kSXNBY3RpdmUiOmZhbHNlLCJIb3Jpem9udGFsQWxpZ25tZW50IjowLCJWZXJ0aWNhbEFsaWdubWVudCI6MCwiU21hcnRGb3JlZ3JvdW5kIjpudWxsLCJCYWNrZ3JvdW5kRmlsbFR5cGUiOjAsIk1hcmdpbiI6eyIkcmVmIjoiMTIifSwiUGFkZGluZyI6eyIkcmVmIjoiMTMifSwiQmFja2dyb3VuZCI6eyIkcmVmIjoiMTQifSwiSXNWaXNpYmxlIjp0cnVlLCJXaWR0aCI6MC4wLCJIZWlnaHQiOjAuMCwiQm9yZGVyU3R5bGUiOnsiJGlkIjoiNjciLCJMaW5lQ29sb3IiOm51bGwsIkxpbmVXZWlnaHQiOjAuMCwiTGluZVR5cGUiOjAsIlBhcmVudFN0eWxlIjpudWxsfSwiUGFyZW50U3R5bGUiOm51bGx9LCJEdXJhdGlvblN0eWxlIjp7IiRpZCI6IjY4IiwiRm9udFNldHRpbmdzIjp7IiRpZCI6IjY5IiwiRm9udFNpemUiOjEwLCJGb250TmFtZSI6IkNhbGlicmkiLCJJc0JvbGQiOmZhbHNlLCJJc0l0YWxpYyI6ZmFsc2UsIklzVW5kZXJsaW5lZCI6ZmFsc2UsIlBhcmVudFN0eWxlIjpudWxsfSwiQXV0b1NpemUiOjAsIkZvcmVncm91bmQiOnsiJHJlZiI6IjE5In0sIk1heFdpZHRoIjoyMDAuMCwiTWF4SGVpZ2h0IjoiSW5maW5pdHkiLCJTbWFydEZvcmVncm91bmRJc0FjdGl2ZSI6ZmFsc2UsIkhvcml6b250YWxBbGlnbm1lbnQiOjAsIlZlcnRpY2FsQWxpZ25tZW50IjowLCJTbWFydEZvcmVncm91bmQiOm51bGwsIkJhY2tncm91bmRGaWxsVHlwZSI6MCwiTWFyZ2luIjp7IiRyZWYiOiIyMSJ9LCJQYWRkaW5nIjp7IiRyZWYiOiIyMiJ9LCJCYWNrZ3JvdW5kIjp7IiRyZWYiOiIyMyJ9LCJJc1Zpc2libGUiOnRydWUsIldpZHRoIjowLjAsIkhlaWdodCI6MC4wLCJCb3JkZXJTdHlsZSI6eyIkaWQiOiI3MCIsIkxpbmVDb2xvciI6bnVsbCwiTGluZVdlaWdodCI6MC4wLCJMaW5lVHlwZSI6MCwiUGFyZW50U3R5bGUiOm51bGx9LCJQYXJlbnRTdHlsZSI6bnVsbH0sIkhvcml6b250YWxDb25uZWN0b3JTdHlsZSI6eyIkaWQiOiI3MSIsIkxpbmVDb2xvciI6eyIkcmVmIjoiMjYifSwiTGluZVdlaWdodCI6MS4wLCJMaW5lVHlwZSI6MCwiUGFyZW50U3R5bGUiOm51bGx9LCJWZXJ0aWNhbENvbm5lY3RvclN0eWxlIjp7IiRpZCI6IjcyIiwiTGluZUNvbG9yIjp7IiRyZWYiOiIyOSJ9LCJMaW5lV2VpZ2h0IjowLjAsIkxpbmVUeXBlIjowLCJQYXJlbnRTdHlsZSI6bnVsbH0sIk1hcmdpbiI6bnVsbCwiU3RhcnREYXRlUG9zaXRpb24iOjMsIkVuZERhdGVQb3NpdGlvbiI6NCwiRGF0ZUlzVmlzaWJsZSI6dHJ1ZSwiVGl0bGVQb3NpdGlvbiI6MiwiRHVyYXRpb25Qb3NpdGlvbiI6NiwiUGVyY2VudGFnZUNvbXBsZXRlZFBvc2l0aW9uIjo2LCJTcGFjaW5nIjo1LCJJc0JlbG93VGltZWJhbmQiOnRydWUsIlBlcmNlbnRhZ2VDb21wbGV0ZVNoYXBlT3BhY2l0eSI6MzUsIlNoYXBlU3R5bGUiOnsiJGlkIjoiNzMiLCJNYXJnaW4iOnsiJHJlZiI6IjMyIn0sIlBhZGRpbmciOnsiJHJlZiI6IjMzIn0sIkJhY2tncm91bmQiOnsiJGlkIjoiNzQiLCJDb2xvciI6eyIkaWQiOiI3NSIsIkEiOjI1NSwiUiI6OTEsIkciOjE1NSwiQiI6MjEzfX0sIklzVmlzaWJsZSI6dHJ1ZSwiV2lkdGgiOjAuMCwiSGVpZ2h0IjoxNi4wLCJCb3JkZXJTdHlsZSI6eyIkaWQiOiI3NiIsIkxpbmVDb2xvciI6eyIkcmVmIjoiMzcifSwiTGluZVdlaWdodCI6MC4wLCJMaW5lVHlwZSI6MCwiUGFyZW50U3R5bGUiOm51bGx9LCJQYXJlbnRTdHlsZSI6bnVsbH0sIlRpdGxlU3R5bGUiOnsiJGlkIjoiNzciLCJGb250U2V0dGluZ3MiOnsiJGlkIjoiNzgiLCJGb250U2l6ZSI6MTEsIkZvbnROYW1lIjoiQ2FsaWJyaSIsIklzQm9sZCI6dHJ1ZSwiSXNJdGFsaWMiOmZhbHNlLCJJc1VuZGVybGluZWQiOmZhbHNlLCJQYXJlbnRTdHlsZSI6bnVsbH0sIkF1dG9TaXplIjowLCJGb3JlZ3JvdW5kIjp7IiRpZCI6Ijc5IiwiQ29sb3IiOnsiJGlkIjoiODAiLCJBIjoyNTUsIlIiOjAsIkciOjAsIkIiOjB9fSwiTWF4V2lkdGgiOjcyMC4wLCJNYXhIZWlnaHQiOiJJbmZpbml0eSIsIlNtYXJ0Rm9yZWdyb3VuZElzQWN0aXZlIjpmYWxzZSwiSG9yaXpvbnRhbEFsaWdubWVudCI6MSwiVmVydGljYWxBbGlnbm1lbnQiOjAsIlNtYXJ0Rm9yZWdyb3VuZCI6bnVsbCwiQmFja2dyb3VuZEZpbGxUeXBlIjowLCJNYXJnaW4iOnsiJHJlZiI6IjQzIn0sIlBhZGRpbmciOnsiJHJlZiI6IjQ0In0sIkJhY2tncm91bmQiOnsiJGlkIjoiODEiLCJDb2xvciI6eyIkaWQiOiI4MiIsIkEiOjAsIlIiOjI1NSwiRyI6MjU1LCJCIjoyNTV9fSwiSXNWaXNpYmxlIjp0cnVlLCJXaWR0aCI6MC4wLCJIZWlnaHQiOjAuMCwiQm9yZGVyU3R5bGUiOnsiJGlkIjoiODMiLCJMaW5lQ29sb3IiOm51bGwsIkxpbmVXZWlnaHQiOjAuMCwiTGluZVR5cGUiOjAsIlBhcmVudFN0eWxlIjpudWxsfSwiUGFyZW50U3R5bGUiOm51bGx9LCJEYXRlU3R5bGUiOnsiJGlkIjoiODQiLCJGb250U2V0dGluZ3MiOnsiJGlkIjoiODUiLCJGb250U2l6ZSI6MTAsIkZvbnROYW1lIjoiQ2FsaWJyaSIsIklzQm9sZCI6ZmFsc2UsIklzSXRhbGljIjpmYWxzZSwiSXNVbmRlcmxpbmVkIjpmYWxzZSwiUGFyZW50U3R5bGUiOm51bGx9LCJBdXRvU2l6ZSI6MCwiRm9yZWdyb3VuZCI6eyIkaWQiOiI4NiIsIkNvbG9yIjp7IiRpZCI6Ijg3IiwiQSI6MjU1LCJSIjo2OCwiRyI6ODQsIkIiOjEwNn19LCJNYXhXaWR0aCI6MjAwLjAsIk1heEhlaWdodCI6IkluZmluaXR5IiwiU21hcnRGb3JlZ3JvdW5kSXNBY3RpdmUiOmZhbHNlLCJIb3Jpem9udGFsQWxpZ25tZW50IjoxLCJWZXJ0aWNhbEFsaWdubWVudCI6MCwiU21hcnRGb3JlZ3JvdW5kIjpudWxsLCJCYWNrZ3JvdW5kRmlsbFR5cGUiOjAsIk1hcmdpbiI6eyIkcmVmIjoiNTIifSwiUGFkZGluZyI6eyIkcmVmIjoiNTMifSwiQmFja2dyb3VuZCI6eyIkaWQiOiI4OCIsIkNvbG9yIjp7IiRpZCI6Ijg5IiwiQSI6MCwiUiI6MjU1LCJHIjoyNTUsIkIiOjI1NX19LCJJc1Zpc2libGUiOnRydWUsIldpZHRoIjowLjAsIkhlaWdodCI6MC4wLCJCb3JkZXJTdHlsZSI6eyIkaWQiOiI5MCIsIkxpbmVDb2xvciI6bnVsbCwiTGluZVdlaWdodCI6MC4wLCJMaW5lVHlwZSI6MCwiUGFyZW50U3R5bGUiOm51bGx9LCJQYXJlbnRTdHlsZSI6bnVsbH0sIkRhdGVGb3JtYXQiOnsiJHJlZiI6IjU3In0sIldlZWtOdW1iZXJpbmciOnsiJGlkIjoiOTEiLCJGb3JtYXQiOjAsIklzVmlzaWJsZSI6ZmFsc2UsIkxhc3RLbm93blZpc2liaWxpdHlTdGF0ZSI6ZmFsc2V9LCJJc1Zpc2libGUiOnRydWUsIlBhcmVudFN0eWxlIjpudWxsfSwiSW5kZXgiOjIsIlNtYXJ0RHVyYXRpb25BY3RpdmF0ZWQiOmZhbHNlLCJEYXRlRm9ybWF0Ijp7IiRyZWYiOiI1NyJ9LCJXZWVrTnVtYmVyaW5nIjp7IiRpZCI6IjkyIiwiRm9ybWF0IjowLCJJc1Zpc2libGUiOmZhbHNlLCJMYXN0S25vd25WaXNpYmlsaXR5U3RhdGUiOmZhbHNlfSwiSWQiOiJjMjU5NGE2OC01MDg3LTQ2MTgtOWQxNS1mZWYxNjBmYjczOGQiLCJJbXBvcnRJZCI6bnVsbCwiVGl0bGUiOiJMb2dpbiBQYWdlIiwiTm90ZSI6bnVsbCwiSHlwZXJsaW5rIjp7IiRpZCI6IjkzIiwiQWRkcmVzcyI6IiIsIlN1YkFkZHJlc3MiOiIifSwiSXNDaGFuZ2VkIjpmYWxzZSwiSXNOZXciOmZhbHNlfX1dLCJfbWlsZXN0b25lcyI6W10sIklkIjoiMDAwMDAwMDAtMDAwMC0wMDAwLTAwMDAtMDAwMDAwMDAwMDAwIiwiSXNTaW5nbGVJdGVtUm93Ijp0cnVlfV0sIkluZGV4IjowLCJJZCI6ImE5NWFlMGE4LTgxYzAtNDdkYy1hYzM5LTMxZTZmNzIwMTYzNyIsIkhlYWRlclRleHQiOm51bGwsIklzRGVmYXVsdCI6dHJ1ZSwiU3R5bGUiOnsiJGlkIjoiOTQiLCJIZWFkZXJTdHlsZSI6eyIkaWQiOiI5NSIsIlRleHRTdHlsZSI6eyIkaWQiOiI5NiIsIkZvbnRTZXR0aW5ncyI6eyIkaWQiOiI5NyIsIkZvbnRTaXplIjoxMSwiRm9udE5hbWUiOiJDYWxpYnJpIiwiSXNCb2xkIjpmYWxzZSwiSXNJdGFsaWMiOmZhbHNlLCJJc1VuZGVybGluZWQiOmZhbHNlLCJQYXJlbnRTdHlsZSI6bnVsbH0sIkF1dG9TaXplIjoyLCJGb3JlZ3JvdW5kIjp7IiRpZCI6Ijk4IiwiQ29sb3IiOnsiJGlkIjoiOTkiLCJBIjoyNTUsIlIiOjAsIkciOjAsIkIiOjB9fSwiTWF4V2lkdGgiOjAuMCwiTWF4SGVpZ2h0IjoiSW5maW5pdHkiLCJTbWFydEZvcmVncm91bmRJc0FjdGl2ZSI6ZmFsc2UsIkhvcml6b250YWxBbGlnbm1lbnQiOjAsIlZlcnRpY2FsQWxpZ25tZW50IjowLCJTbWFydEZvcmVncm91bmQiOm51bGwsIkJhY2tncm91bmRGaWxsVHlwZSI6MCwiTWFyZ2luIjp7IiRpZCI6IjEwMCIsIlRvcCI6MC4wLCJMZWZ0IjowLjAsIlJpZ2h0IjowLjAsIkJvdHRvbSI6MC4wfSwiUGFkZGluZyI6eyIkaWQiOiIxMDEiLCJUb3AiOjAuMCwiTGVmdCI6MC4wLCJSaWdodCI6MC4wLCJCb3R0b20iOjAuMH0sIkJhY2tncm91bmQiOm51bGwsIklzVmlzaWJsZSI6dHJ1ZSwiV2lkdGgiOjAuMCwiSGVpZ2h0IjowLjAsIkJvcmRlclN0eWxlIjpudWxsLCJQYXJlbnRTdHlsZSI6bnVsbH0sIlJlY3RhbmdsZVN0eWxlIjp7IiRpZCI6IjEwMiIsIk1hcmdpbiI6eyIkaWQiOiIxMDMiLCJUb3AiOjAuMCwiTGVmdCI6MC4wLCJSaWdodCI6MC4wLCJCb3R0b20iOjAuMH0sIlBhZGRpbmciOnsiJGlkIjoiMTA0IiwiVG9wIjowLjAsIkxlZnQiOjAuMCwiUmlnaHQiOjAuMCwiQm90dG9tIjowLjB9LCJCYWNrZ3JvdW5kIjp7IiRpZCI6IjEwNSIsIkNvbG9yIjp7IiRpZCI6IjEwNiIsIkEiOjYzLCJSIjo5MSwiRyI6MTU1LCJCIjoyMTN9fSwiSXNWaXNpYmxlIjp0cnVlLCJXaWR0aCI6MC4wLCJIZWlnaHQiOjAuMCwiQm9yZGVyU3R5bGUiOnsiJGlkIjoiMTA3IiwiTGluZUNvbG9yIjp7IiRpZCI6IjEwOCIsIiR0eXBlIjoiTkxSRS5Db21tb24uRG9tLlNvbGlkQ29sb3JCcnVzaCwgTkxSRS5Db21tb24iLCJDb2xvciI6eyIkaWQiOiIxMDkiLCJBIjoyNTUsIlIiOjI1NSwiRyI6MCwiQiI6MH19LCJMaW5lV2VpZ2h0IjowLjAsIkxpbmVUeXBlIjowLCJQYXJlbnRTdHlsZSI6bnVsbH0sIlBhcmVudFN0eWxlIjpudWxsfSwiTWFyZ2luIjp7IiRpZCI6IjExMCIsIlRvcCI6MC4wLCJMZWZ0IjowLjAsIlJpZ2h0IjowLjAsIkJvdHRvbSI6MC4wfSwiUGFkZGluZyI6eyIkaWQiOiIxMTEiLCJUb3AiOjAuMCwiTGVmdCI6MC4wLCJSaWdodCI6MC4wLCJCb3R0b20iOjAuMH0sIkJhY2tncm91bmQiOm51bGwsIklzVmlzaWJsZSI6dHJ1ZSwiV2lkdGgiOjAuMCwiSGVpZ2h0IjowLjAsIkJvcmRlclN0eWxlIjpudWxsLCJQYXJlbnRTdHlsZSI6bnVsbH0sIkJhY2tncm91bmRTdHlsZSI6eyIkaWQiOiIxMTIiLCJNYXJnaW4iOnsiJGlkIjoiMTEzIiwiVG9wIjowLjAsIkxlZnQiOjAuMCwiUmlnaHQiOjAuMCwiQm90dG9tIjowLjB9LCJQYWRkaW5nIjp7IiRpZCI6IjExNCIsIlRvcCI6MC4wLCJMZWZ0IjowLjAsIlJpZ2h0IjowLjAsIkJvdHRvbSI6MC4wfSwiQmFja2dyb3VuZCI6eyIkaWQiOiIxMTUiLCJDb2xvciI6eyIkaWQiOiIxMTYiLCJBIjo1MSwiUiI6MTY1LCJHIjoxNjUsIkIiOjE2NX19LCJJc1Zpc2libGUiOnRydWUsIldpZHRoIjowLjAsIkhlaWdodCI6MC4wLCJCb3JkZXJTdHlsZSI6eyIkaWQiOiIxMTciLCJMaW5lQ29sb3IiOnsiJGlkIjoiMTE4IiwiJHR5cGUiOiJOTFJFLkNvbW1vbi5Eb20uU29saWRDb2xvckJydXNoLCBOTFJFLkNvbW1vbiIsIkNvbG9yIjp7IiRpZCI6IjExOSIsIkEiOjI1NSwiUiI6MjU1LCJHIjowLCJCIjowfX0sIkxpbmVXZWlnaHQiOjAuMCwiTGluZVR5cGUiOjAsIlBhcmVudFN0eWxlIjpudWxsfSwiUGFyZW50U3R5bGUiOm51bGx9LCJNYXJnaW4iOnsiJGlkIjoiMTIwIiwiVG9wIjowLjAsIkxlZnQiOjAuMCwiUmlnaHQiOjAuMCwiQm90dG9tIjowLjB9LCJQYWRkaW5nIjp7IiRpZCI6IjEyMSIsIlRvcCI6MC4wLCJMZWZ0IjowLjAsIlJpZ2h0IjowLjAsIkJvdHRvbSI6MC4wfSwiSXNWaXNpYmxlIjpmYWxzZSwiV2lkdGgiOjAuMCwiSGVpZ2h0IjowLjAsIkJvcmRlclN0eWxlIjpudWxsLCJQYXJlbnRTdHlsZSI6bnVsbH19XSwiSWQiOiI5M2IwYjA4Zi1mZTBiLTQ3NjMtYmY0ZC1mOTM4ZjM4ZGY3MTciLCJJbmRleCI6MCwiSGVhZGVyVGV4dCI6IkF1dGhlbnRpY2F0aW9uIiwiU3R5bGUiOnsiJGlkIjoiMTIyIiwiSGVhZGVyU3R5bGUiOnsiJGlkIjoiMTIzIiwiVGV4dElzVmVydGljYWwiOmZhbHNlLCJUZXh0U3R5bGUiOnsiJGlkIjoiMTI0IiwiRm9udFNldHRpbmdzIjp7IiRpZCI6IjEyNSIsIkZvbnRTaXplIjoxMiwiRm9udE5hbWUiOiJDYWxpYnJpIiwiSXNCb2xkIjpmYWxzZSwiSXNJdGFsaWMiOmZhbHNlLCJJc1VuZGVybGluZWQiOmZhbHNlLCJQYXJlbnRTdHlsZSI6bnVsbH0sIkF1dG9TaXplIjoyLCJGb3JlZ3JvdW5kIjp7IiRpZCI6IjEyNiIsIkNvbG9yIjp7IiRpZCI6IjEyNyIsIkEiOjI1NSwiUiI6MjU1LCJHIjoyNTUsIkIiOjI1NX19LCJNYXhXaWR0aCI6MTYwLjAsIk1heEhlaWdodCI6IkluZmluaXR5IiwiU21hcnRGb3JlZ3JvdW5kSXNBY3RpdmUiOmZhbHNlLCJIb3Jpem9udGFsQWxpZ25tZW50IjowLCJWZXJ0aWNhbEFsaWdubWVudCI6MCwiU21hcnRGb3JlZ3JvdW5kIjpudWxsLCJCYWNrZ3JvdW5kRmlsbFR5cGUiOjAsIk1hcmdpbiI6eyIkaWQiOiIxMjgiLCJUb3AiOjAuMCwiTGVmdCI6MC4wLCJSaWdodCI6MC4wLCJCb3R0b20iOjAuMH0sIlBhZGRpbmciOnsiJGlkIjoiMTI5IiwiVG9wIjowLjAsIkxlZnQiOjAuMCwiUmlnaHQiOjAuMCwiQm90dG9tIjowLjB9LCJCYWNrZ3JvdW5kIjpudWxsLCJJc1Zpc2libGUiOnRydWUsIldpZHRoIjowLjAsIkhlaWdodCI6MC4wLCJCb3JkZXJTdHlsZSI6bnVsbCwiUGFyZW50U3R5bGUiOm51bGx9LCJSZWN0YW5nbGVTdHlsZSI6eyIkaWQiOiIxMzAiLCJNYXJnaW4iOnsiJGlkIjoiMTMxIiwiVG9wIjowLjAsIkxlZnQiOjAuMCwiUmlnaHQiOjAuMCwiQm90dG9tIjowLjB9LCJQYWRkaW5nIjp7IiRpZCI6IjEzMiIsIlRvcCI6MC4wLCJMZWZ0IjowLjAsIlJpZ2h0IjowLjAsIkJvdHRvbSI6MC4wfSwiQmFja2dyb3VuZCI6eyIkaWQiOiIxMzMiLCJDb2xvciI6eyIkaWQiOiIxMzQiLCJBIjoyNTUsIlIiOjkxLCJHIjoxNTUsIkIiOjIxM319LCJJc1Zpc2libGUiOnRydWUsIldpZHRoIjowLjAsIkhlaWdodCI6MC4wLCJCb3JkZXJTdHlsZSI6eyIkaWQiOiIxMzUiLCJMaW5lQ29sb3IiOnsiJGlkIjoiMTM2IiwiJHR5cGUiOiJOTFJFLkNvbW1vbi5Eb20uU29saWRDb2xvckJydXNoLCBOTFJFLkNvbW1vbiIsIkNvbG9yIjp7IiRpZCI6IjEzNyIsIkEiOjI1NSwiUiI6MjU1LCJHIjowLCJCIjowfX0sIkxpbmVXZWlnaHQiOjAuMCwiTGluZVR5cGUiOjAsIlBhcmVudFN0eWxlIjpudWxsfSwiUGFyZW50U3R5bGUiOm51bGx9LCJNYXJnaW4iOnsiJGlkIjoiMTM4IiwiVG9wIjowLjAsIkxlZnQiOjAuMCwiUmlnaHQiOjAuMCwiQm90dG9tIjowLjB9LCJQYWRkaW5nIjp7IiRpZCI6IjEzOSIsIlRvcCI6MC4wLCJMZWZ0IjowLjAsIlJpZ2h0IjowLjAsIkJvdHRvbSI6MC4wfSwiQmFja2dyb3VuZCI6bnVsbCwiSXNWaXNpYmxlIjp0cnVlLCJXaWR0aCI6MC4wLCJIZWlnaHQiOjAuMCwiQm9yZGVyU3R5bGUiOm51bGwsIlBhcmVudFN0eWxlIjpudWxsfSwiQmFja2dyb3VuZFN0eWxlIjp7IiRpZCI6IjE0MCIsIk1hcmdpbiI6eyIkaWQiOiIxNDEiLCJUb3AiOjAuMCwiTGVmdCI6MC4wLCJSaWdodCI6MC4wLCJCb3R0b20iOjAuMH0sIlBhZGRpbmciOnsiJGlkIjoiMTQyIiwiVG9wIjowLjAsIkxlZnQiOjAuMCwiUmlnaHQiOjAuMCwiQm90dG9tIjowLjB9LCJCYWNrZ3JvdW5kIjp7IiRpZCI6IjE0MyIsIkNvbG9yIjp7IiRpZCI6IjE0NCIsIkEiOjUxLCJSIjoxNjUsIkciOjE2NSwiQiI6MTY1fX0sIklzVmlzaWJsZSI6dHJ1ZSwiV2lkdGgiOjAuMCwiSGVpZ2h0IjowLjAsIkJvcmRlclN0eWxlIjp7IiRpZCI6IjE0NSIsIkxpbmVDb2xvciI6eyIkaWQiOiIxNDYiLCIkdHlwZSI6Ik5MUkUuQ29tbW9uLkRvbS5Tb2xpZENvbG9yQnJ1c2gsIE5MUkUuQ29tbW9uIiwiQ29sb3IiOnsiJGlkIjoiMTQ3IiwiQSI6MjU1LCJSIjoyNTUsIkciOjAsIkIiOjB9fSwiTGluZVdlaWdodCI6MC4wLCJMaW5lVHlwZSI6MCwiUGFyZW50U3R5bGUiOm51bGx9LCJQYXJlbnRTdHlsZSI6bnVsbH0sIklzQWJvdmVUaW1lYmFuZCI6ZmFsc2UsIk1hcmdpbiI6eyIkaWQiOiIxNDgiLCJUb3AiOjAuMCwiTGVmdCI6MC4wLCJSaWdodCI6MC4wLCJCb3R0b20iOjAuMH0sIlBhZGRpbmciOnsiJGlkIjoiMTQ5IiwiVG9wIjowLjAsIkxlZnQiOjAuMCwiUmlnaHQiOjAuMCwiQm90dG9tIjowLjB9LCJJc1Zpc2libGUiOnRydWUsIldpZHRoIjowLjAsIkhlaWdodCI6MC4wLCJCb3JkZXJTdHlsZSI6eyIkaWQiOiIxNTAiLCJMaW5lQ29sb3IiOm51bGwsIkxpbmVXZWlnaHQiOjAuMCwiTGluZVR5cGUiOjAsIlBhcmVudFN0eWxlIjpudWxsfSwiUGFyZW50U3R5bGUiOm51bGx9fSx7IiRpZCI6IjE1MSIsIl9hY3Rpdml0aWVzIjpbeyIkaWQiOiIxNTIiLCJfcm93cyI6W3siJGlkIjoiMTUzIiwiX3Rhc2tzIjpbeyIkaWQiOiIxNTQiLCJfYXR0YWNoZWRNaWxlc3RvbmVzIjpbXSwiVGFza0RlZmluaXRpb24iOnsiJGlkIjoiMTU1IiwiR3JvdXBOYW1lIjpudWxsLCJTdGFydERhdGUiOiIyMDIyLTA1LTA1VDAwOjAwOjAwWiIsIkVuZERhdGUiOiIyMDIyLTA1LTA2VDIzOjU5OjAwWiIsIlBlcmNlbnRhZ2VDb21wbGV0ZSI6bnVsbCwiU3R5bGUiOnsiJGlkIjoiMTU2IiwiU2hhcGUiOjIsIlNoYXBlVGhpY2tuZXNzIjoxLCJEdXJhdGlvbkZvcm1hdCI6MCwiSW5jbHVkZU5vbldvcmtpbmdEYXlzSW5EdXJhdGlvbiI6ZmFsc2UsIlBlcmNlbnRhZ2VDb21wbGV0ZVN0eWxlIjp7IiRpZCI6IjE1NyIsIkZvbnRTZXR0aW5ncyI6eyIkaWQiOiIxNTgiLCJGb250U2l6ZSI6MTAsIkZvbnROYW1lIjoiQ2FsaWJyaSIsIklzQm9sZCI6ZmFsc2UsIklzSXRhbGljIjpmYWxzZSwiSXNVbmRlcmxpbmVkIjpmYWxzZSwiUGFyZW50U3R5bGUiOm51bGx9LCJBdXRvU2l6ZSI6MCwiRm9yZWdyb3VuZCI6eyIkcmVmIjoiMTAifSwiTWF4V2lkdGgiOjIwMC4wLCJNYXhIZWlnaHQiOiJJbmZpbml0eSIsIlNtYXJ0Rm9yZWdyb3VuZElzQWN0aXZlIjpmYWxzZSwiSG9yaXpvbnRhbEFsaWdubWVudCI6MCwiVmVydGljYWxBbGlnbm1lbnQiOjAsIlNtYXJ0Rm9yZWdyb3VuZCI6bnVsbCwiQmFja2dyb3VuZEZpbGxUeXBlIjowLCJNYXJnaW4iOnsiJHJlZiI6IjEyIn0sIlBhZGRpbmciOnsiJHJlZiI6IjEzIn0sIkJhY2tncm91bmQiOnsiJHJlZiI6IjE0In0sIklzVmlzaWJsZSI6dHJ1ZSwiV2lkdGgiOjAuMCwiSGVpZ2h0IjowLjAsIkJvcmRlclN0eWxlIjp7IiRpZCI6IjE1OSIsIkxpbmVDb2xvciI6bnVsbCwiTGluZVdlaWdodCI6MC4wLCJMaW5lVHlwZSI6MCwiUGFyZW50U3R5bGUiOm51bGx9LCJQYXJlbnRTdHlsZSI6bnVsbH0sIkR1cmF0aW9uU3R5bGUiOnsiJGlkIjoiMTYwIiwiRm9udFNldHRpbmdzIjp7IiRpZCI6IjE2MSIsIkZvbnRTaXplIjoxMCwiRm9udE5hbWUiOiJDYWxpYnJpIiwiSXNCb2xkIjpmYWxzZSwiSXNJdGFsaWMiOmZhbHNlLCJJc1VuZGVybGluZWQiOmZhbHNlLCJQYXJlbnRTdHlsZSI6bnVsbH0sIkF1dG9TaXplIjowLCJGb3JlZ3JvdW5kIjp7IiRyZWYiOiIxOSJ9LCJNYXhXaWR0aCI6MjAwLjAsIk1heEhlaWdodCI6IkluZmluaXR5IiwiU21hcnRGb3JlZ3JvdW5kSXNBY3RpdmUiOmZhbHNlLCJIb3Jpem9udGFsQWxpZ25tZW50IjowLCJWZXJ0aWNhbEFsaWdubWVudCI6MCwiU21hcnRGb3JlZ3JvdW5kIjpudWxsLCJCYWNrZ3JvdW5kRmlsbFR5cGUiOjAsIk1hcmdpbiI6eyIkcmVmIjoiMjEifSwiUGFkZGluZyI6eyIkcmVmIjoiMjIifSwiQmFja2dyb3VuZCI6eyIkcmVmIjoiMjMifSwiSXNWaXNpYmxlIjp0cnVlLCJXaWR0aCI6MC4wLCJIZWlnaHQiOjAuMCwiQm9yZGVyU3R5bGUiOnsiJGlkIjoiMTYyIiwiTGluZUNvbG9yIjpudWxsLCJMaW5lV2VpZ2h0IjowLjAsIkxpbmVUeXBlIjowLCJQYXJlbnRTdHlsZSI6bnVsbH0sIlBhcmVudFN0eWxlIjpudWxsfSwiSG9yaXpvbnRhbENvbm5lY3RvclN0eWxlIjp7IiRpZCI6IjE2MyIsIkxpbmVDb2xvciI6eyIkcmVmIjoiMjYifSwiTGluZVdlaWdodCI6MS4wLCJMaW5lVHlwZSI6MCwiUGFyZW50U3R5bGUiOm51bGx9LCJWZXJ0aWNhbENvbm5lY3RvclN0eWxlIjp7IiRpZCI6IjE2NCIsIkxpbmVDb2xvciI6eyIkcmVmIjoiMjkifSwiTGluZVdlaWdodCI6MC4wLCJMaW5lVHlwZSI6MCwiUGFyZW50U3R5bGUiOm51bGx9LCJNYXJnaW4iOm51bGwsIlN0YXJ0RGF0ZVBvc2l0aW9uIjozLCJFbmREYXRlUG9zaXRpb24iOjQsIkRhdGVJc1Zpc2libGUiOnRydWUsIlRpdGxlUG9zaXRpb24iOjIsIkR1cmF0aW9uUG9zaXRpb24iOjYsIlBlcmNlbnRhZ2VDb21wbGV0ZWRQb3NpdGlvbiI6NiwiU3BhY2luZyI6NSwiSXNCZWxvd1RpbWViYW5kIjp0cnVlLCJQZXJjZW50YWdlQ29tcGxldGVTaGFwZU9wYWNpdHkiOjM1LCJTaGFwZVN0eWxlIjp7IiRpZCI6IjE2NSIsIk1hcmdpbiI6eyIkcmVmIjoiMzIifSwiUGFkZGluZyI6eyIkcmVmIjoiMzMifSwiQmFja2dyb3VuZCI6eyIkaWQiOiIxNjYiLCJDb2xvciI6eyIkaWQiOiIxNjciLCJBIjoyNTUsIlIiOjkxLCJHIjoxNTUsIkIiOjIxM319LCJJc1Zpc2libGUiOnRydWUsIldpZHRoIjowLjAsIkhlaWdodCI6MTYuMCwiQm9yZGVyU3R5bGUiOnsiJGlkIjoiMTY4IiwiTGluZUNvbG9yIjp7IiRyZWYiOiIzNyJ9LCJMaW5lV2VpZ2h0IjowLjAsIkxpbmVUeXBlIjowLCJQYXJlbnRTdHlsZSI6bnVsbH0sIlBhcmVudFN0eWxlIjpudWxsfSwiVGl0bGVTdHlsZSI6eyIkaWQiOiIxNjkiLCJGb250U2V0dGluZ3MiOnsiJGlkIjoiMTcwIiwiRm9udFNpemUiOjExLCJGb250TmFtZSI6IkNhbGlicmkiLCJJc0JvbGQiOnRydWUsIklzSXRhbGljIjpmYWxzZSwiSXNVbmRlcmxpbmVkIjpmYWxzZSwiUGFyZW50U3R5bGUiOm51bGx9LCJBdXRvU2l6ZSI6MCwiRm9yZWdyb3VuZCI6eyIkaWQiOiIxNzEiLCJDb2xvciI6eyIkaWQiOiIxNzIiLCJBIjoyNTUsIlIiOjAsIkciOjAsIkIiOjB9fSwiTWF4V2lkdGgiOjcyMC4wLCJNYXhIZWlnaHQiOiJJbmZpbml0eSIsIlNtYXJ0Rm9yZWdyb3VuZElzQWN0aXZlIjpmYWxzZSwiSG9yaXpvbnRhbEFsaWdubWVudCI6MSwiVmVydGljYWxBbGlnbm1lbnQiOjAsIlNtYXJ0Rm9yZWdyb3VuZCI6bnVsbCwiQmFja2dyb3VuZEZpbGxUeXBlIjowLCJNYXJnaW4iOnsiJHJlZiI6IjQzIn0sIlBhZGRpbmciOnsiJHJlZiI6IjQ0In0sIkJhY2tncm91bmQiOnsiJGlkIjoiMTczIiwiQ29sb3IiOnsiJGlkIjoiMTc0IiwiQSI6MCwiUiI6MjU1LCJHIjoyNTUsIkIiOjI1NX19LCJJc1Zpc2libGUiOnRydWUsIldpZHRoIjowLjAsIkhlaWdodCI6MC4wLCJCb3JkZXJTdHlsZSI6eyIkaWQiOiIxNzUiLCJMaW5lQ29sb3IiOm51bGwsIkxpbmVXZWlnaHQiOjAuMCwiTGluZVR5cGUiOjAsIlBhcmVudFN0eWxlIjpudWxsfSwiUGFyZW50U3R5bGUiOm51bGx9LCJEYXRlU3R5bGUiOnsiJGlkIjoiMTc2IiwiRm9udFNldHRpbmdzIjp7IiRpZCI6IjE3NyIsIkZvbnRTaXplIjoxMCwiRm9udE5hbWUiOiJDYWxpYnJpIiwiSXNCb2xkIjpmYWxzZSwiSXNJdGFsaWMiOmZhbHNlLCJJc1VuZGVybGluZWQiOmZhbHNlLCJQYXJlbnRTdHlsZSI6bnVsbH0sIkF1dG9TaXplIjowLCJGb3JlZ3JvdW5kIjp7IiRpZCI6IjE3OCIsIkNvbG9yIjp7IiRpZCI6IjE3OSIsIkEiOjI1NSwiUiI6NjgsIkciOjg0LCJCIjoxMDZ9fSwiTWF4V2lkdGgiOjIwMC4wLCJNYXhIZWlnaHQiOiJJbmZpbml0eSIsIlNtYXJ0Rm9yZWdyb3VuZElzQWN0aXZlIjpmYWxzZSwiSG9yaXpvbnRhbEFsaWdubWVudCI6MSwiVmVydGljYWxBbGlnbm1lbnQiOjAsIlNtYXJ0Rm9yZWdyb3VuZCI6bnVsbCwiQmFja2dyb3VuZEZpbGxUeXBlIjowLCJNYXJnaW4iOnsiJHJlZiI6IjUyIn0sIlBhZGRpbmciOnsiJHJlZiI6IjUzIn0sIkJhY2tncm91bmQiOnsiJGlkIjoiMTgwIiwiQ29sb3IiOnsiJGlkIjoiMTgxIiwiQSI6MCwiUiI6MjU1LCJHIjoyNTUsIkIiOjI1NX19LCJJc1Zpc2libGUiOnRydWUsIldpZHRoIjowLjAsIkhlaWdodCI6MC4wLCJCb3JkZXJTdHlsZSI6eyIkaWQiOiIxODIiLCJMaW5lQ29sb3IiOm51bGwsIkxpbmVXZWlnaHQiOjAuMCwiTGluZVR5cGUiOjAsIlBhcmVudFN0eWxlIjpudWxsfSwiUGFyZW50U3R5bGUiOm51bGx9LCJEYXRlRm9ybWF0Ijp7IiRyZWYiOiI1NyJ9LCJXZWVrTnVtYmVyaW5nIjp7IiRpZCI6IjE4MyIsIkZvcm1hdCI6MCwiSXNWaXNpYmxlIjpmYWxzZSwiTGFzdEtub3duVmlzaWJpbGl0eVN0YXRlIjpmYWxzZX0sIklzVmlzaWJsZSI6dHJ1ZSwiUGFyZW50U3R5bGUiOm51bGx9LCJJbmRleCI6NCwiU21hcnREdXJhdGlvbkFjdGl2YXRlZCI6ZmFsc2UsIkRhdGVGb3JtYXQiOnsiJHJlZiI6IjU3In0sIldlZWtOdW1iZXJpbmciOnsiJGlkIjoiMTg0IiwiRm9ybWF0IjowLCJJc1Zpc2libGUiOmZhbHNlLCJMYXN0S25vd25WaXNpYmlsaXR5U3RhdGUiOmZhbHNlfSwiSWQiOiJlMTQwODEyMS04ZDRhLTQ0YTgtYWJjZS00OWU2ZjFhNzM3NDciLCJJbXBvcnRJZCI6bnVsbCwiVGl0bGUiOiJBZG1pbiBIb21lIFBhZ2UiLCJOb3RlIjpudWxsLCJIeXBlcmxpbmsiOnsiJGlkIjoiMTg1IiwiQWRkcmVzcyI6IiIsIlN1YkFkZHJlc3MiOiIifSwiSXNDaGFuZ2VkIjpmYWxzZSwiSXNOZXciOmZhbHNlfX1dLCJfbWlsZXN0b25lcyI6W10sIklkIjoiMDAwMDAwMDAtMDAwMC0wMDAwLTAwMDAtMDAwMDAwMDAwMDAwIiwiSXNTaW5nbGVJdGVtUm93Ijp0cnVlfSx7IiRpZCI6IjE4NiIsIl90YXNrcyI6W3siJGlkIjoiMTg3IiwiX2F0dGFjaGVkTWlsZXN0b25lcyI6W10sIlRhc2tEZWZpbml0aW9uIjp7IiRpZCI6IjE4OCIsIkdyb3VwTmFtZSI6bnVsbCwiU3RhcnREYXRlIjoiMjAyMi0wNS0wNlQwMDowMDowMFoiLCJFbmREYXRlIjoiMjAyMi0wNS0wOVQyMzo1OTowMFoiLCJQZXJjZW50YWdlQ29tcGxldGUiOm51bGwsIlN0eWxlIjp7IiRpZCI6IjE4OSIsIlNoYXBlIjoyLCJTaGFwZVRoaWNrbmVzcyI6MSwiRHVyYXRpb25Gb3JtYXQiOjAsIkluY2x1ZGVOb25Xb3JraW5nRGF5c0luRHVyYXRpb24iOmZhbHNlLCJQZXJjZW50YWdlQ29tcGxldGVTdHlsZSI6eyIkaWQiOiIxOTAiLCJGb250U2V0dGluZ3MiOnsiJGlkIjoiMTkxIiwiRm9udFNpemUiOjEwLCJGb250TmFtZSI6IkNhbGlicmkiLCJJc0JvbGQiOmZhbHNlLCJJc0l0YWxpYyI6ZmFsc2UsIklzVW5kZXJsaW5lZCI6ZmFsc2UsIlBhcmVudFN0eWxlIjpudWxsfSwiQXV0b1NpemUiOjAsIkZvcmVncm91bmQiOnsiJHJlZiI6IjEwIn0sIk1heFdpZHRoIjoyMDAuMCwiTWF4SGVpZ2h0IjoiSW5maW5pdHkiLCJTbWFydEZvcmVncm91bmRJc0FjdGl2ZSI6ZmFsc2UsIkhvcml6b250YWxBbGlnbm1lbnQiOjAsIlZlcnRpY2FsQWxpZ25tZW50IjowLCJTbWFydEZvcmVncm91bmQiOm51bGwsIkJhY2tncm91bmRGaWxsVHlwZSI6MCwiTWFyZ2luIjp7IiRyZWYiOiIxMiJ9LCJQYWRkaW5nIjp7IiRyZWYiOiIxMyJ9LCJCYWNrZ3JvdW5kIjp7IiRyZWYiOiIxNCJ9LCJJc1Zpc2libGUiOnRydWUsIldpZHRoIjowLjAsIkhlaWdodCI6MC4wLCJCb3JkZXJTdHlsZSI6eyIkaWQiOiIxOTIiLCJMaW5lQ29sb3IiOm51bGwsIkxpbmVXZWlnaHQiOjAuMCwiTGluZVR5cGUiOjAsIlBhcmVudFN0eWxlIjpudWxsfSwiUGFyZW50U3R5bGUiOm51bGx9LCJEdXJhdGlvblN0eWxlIjp7IiRpZCI6IjE5MyIsIkZvbnRTZXR0aW5ncyI6eyIkaWQiOiIxOTQiLCJGb250U2l6ZSI6MTAsIkZvbnROYW1lIjoiQ2FsaWJyaSIsIklzQm9sZCI6ZmFsc2UsIklzSXRhbGljIjpmYWxzZSwiSXNVbmRlcmxpbmVkIjpmYWxzZSwiUGFyZW50U3R5bGUiOm51bGx9LCJBdXRvU2l6ZSI6MCwiRm9yZWdyb3VuZCI6eyIkcmVmIjoiMTkifSwiTWF4V2lkdGgiOjIwMC4wLCJNYXhIZWlnaHQiOiJJbmZpbml0eSIsIlNtYXJ0Rm9yZWdyb3VuZElzQWN0aXZlIjpmYWxzZSwiSG9yaXpvbnRhbEFsaWdubWVudCI6MCwiVmVydGljYWxBbGlnbm1lbnQiOjAsIlNtYXJ0Rm9yZWdyb3VuZCI6bnVsbCwiQmFja2dyb3VuZEZpbGxUeXBlIjowLCJNYXJnaW4iOnsiJHJlZiI6IjIxIn0sIlBhZGRpbmciOnsiJHJlZiI6IjIyIn0sIkJhY2tncm91bmQiOnsiJHJlZiI6IjIzIn0sIklzVmlzaWJsZSI6dHJ1ZSwiV2lkdGgiOjAuMCwiSGVpZ2h0IjowLjAsIkJvcmRlclN0eWxlIjp7IiRpZCI6IjE5NSIsIkxpbmVDb2xvciI6bnVsbCwiTGluZVdlaWdodCI6MC4wLCJMaW5lVHlwZSI6MCwiUGFyZW50U3R5bGUiOm51bGx9LCJQYXJlbnRTdHlsZSI6bnVsbH0sIkhvcml6b250YWxDb25uZWN0b3JTdHlsZSI6eyIkaWQiOiIxOTYiLCJMaW5lQ29sb3IiOnsiJHJlZiI6IjI2In0sIkxpbmVXZWlnaHQiOjEuMCwiTGluZVR5cGUiOjAsIlBhcmVudFN0eWxlIjpudWxsfSwiVmVydGljYWxDb25uZWN0b3JTdHlsZSI6eyIkaWQiOiIxOTciLCJMaW5lQ29sb3IiOnsiJHJlZiI6IjI5In0sIkxpbmVXZWlnaHQiOjAuMCwiTGluZVR5cGUiOjAsIlBhcmVudFN0eWxlIjpudWxsfSwiTWFyZ2luIjpudWxsLCJTdGFydERhdGVQb3NpdGlvbiI6MywiRW5kRGF0ZVBvc2l0aW9uIjo0LCJEYXRlSXNWaXNpYmxlIjp0cnVlLCJUaXRsZVBvc2l0aW9uIjoyLCJEdXJhdGlvblBvc2l0aW9uIjo2LCJQZXJjZW50YWdlQ29tcGxldGVkUG9zaXRpb24iOjYsIlNwYWNpbmciOjUsIklzQmVsb3dUaW1lYmFuZCI6dHJ1ZSwiUGVyY2VudGFnZUNvbXBsZXRlU2hhcGVPcGFjaXR5IjozNSwiU2hhcGVTdHlsZSI6eyIkaWQiOiIxOTgiLCJNYXJnaW4iOnsiJHJlZiI6IjMyIn0sIlBhZGRpbmciOnsiJHJlZiI6IjMzIn0sIkJhY2tncm91bmQiOnsiJGlkIjoiMTk5IiwiQ29sb3IiOnsiJGlkIjoiMjAwIiwiQSI6MjU1LCJSIjo5MSwiRyI6MTU1LCJCIjoyMTN9fSwiSXNWaXNpYmxlIjp0cnVlLCJXaWR0aCI6MC4wLCJIZWlnaHQiOjE2LjAsIkJvcmRlclN0eWxlIjp7IiRpZCI6IjIwMSIsIkxpbmVDb2xvciI6eyIkcmVmIjoiMzcifSwiTGluZVdlaWdodCI6MC4wLCJMaW5lVHlwZSI6MCwiUGFyZW50U3R5bGUiOm51bGx9LCJQYXJlbnRTdHlsZSI6bnVsbH0sIlRpdGxlU3R5bGUiOnsiJGlkIjoiMjAyIiwiRm9udFNldHRpbmdzIjp7IiRpZCI6IjIwMyIsIkZvbnRTaXplIjoxMSwiRm9udE5hbWUiOiJDYWxpYnJpIiwiSXNCb2xkIjp0cnVlLCJJc0l0YWxpYyI6ZmFsc2UsIklzVW5kZXJsaW5lZCI6ZmFsc2UsIlBhcmVudFN0eWxlIjpudWxsfSwiQXV0b1NpemUiOjAsIkZvcmVncm91bmQiOnsiJGlkIjoiMjA0IiwiQ29sb3IiOnsiJGlkIjoiMjA1IiwiQSI6MjU1LCJSIjowLCJHIjowLCJCIjowfX0sIk1heFdpZHRoIjo3MjAuMCwiTWF4SGVpZ2h0IjoiSW5maW5pdHkiLCJTbWFydEZvcmVncm91bmRJc0FjdGl2ZSI6ZmFsc2UsIkhvcml6b250YWxBbGlnbm1lbnQiOjEsIlZlcnRpY2FsQWxpZ25tZW50IjowLCJTbWFydEZvcmVncm91bmQiOm51bGwsIkJhY2tncm91bmRGaWxsVHlwZSI6MCwiTWFyZ2luIjp7IiRyZWYiOiI0MyJ9LCJQYWRkaW5nIjp7IiRyZWYiOiI0NCJ9LCJCYWNrZ3JvdW5kIjp7IiRpZCI6IjIwNiIsIkNvbG9yIjp7IiRpZCI6IjIwNyIsIkEiOjAsIlIiOjI1NSwiRyI6MjU1LCJCIjoyNTV9fSwiSXNWaXNpYmxlIjp0cnVlLCJXaWR0aCI6MC4wLCJIZWlnaHQiOjAuMCwiQm9yZGVyU3R5bGUiOnsiJGlkIjoiMjA4IiwiTGluZUNvbG9yIjpudWxsLCJMaW5lV2VpZ2h0IjowLjAsIkxpbmVUeXBlIjowLCJQYXJlbnRTdHlsZSI6bnVsbH0sIlBhcmVudFN0eWxlIjpudWxsfSwiRGF0ZVN0eWxlIjp7IiRpZCI6IjIwOSIsIkZvbnRTZXR0aW5ncyI6eyIkaWQiOiIyMTAiLCJGb250U2l6ZSI6MTAsIkZvbnROYW1lIjoiQ2FsaWJyaSIsIklzQm9sZCI6ZmFsc2UsIklzSXRhbGljIjpmYWxzZSwiSXNVbmRlcmxpbmVkIjpmYWxzZSwiUGFyZW50U3R5bGUiOm51bGx9LCJBdXRvU2l6ZSI6MCwiRm9yZWdyb3VuZCI6eyIkaWQiOiIyMTEiLCJDb2xvciI6eyIkaWQiOiIyMTIiLCJBIjoyNTUsIlIiOjY4LCJHIjo4NCwiQiI6MTA2fX0sIk1heFdpZHRoIjoyMDAuMCwiTWF4SGVpZ2h0IjoiSW5maW5pdHkiLCJTbWFydEZvcmVncm91bmRJc0FjdGl2ZSI6ZmFsc2UsIkhvcml6b250YWxBbGlnbm1lbnQiOjEsIlZlcnRpY2FsQWxpZ25tZW50IjowLCJTbWFydEZvcmVncm91bmQiOm51bGwsIkJhY2tncm91bmRGaWxsVHlwZSI6MCwiTWFyZ2luIjp7IiRyZWYiOiI1MiJ9LCJQYWRkaW5nIjp7IiRyZWYiOiI1MyJ9LCJCYWNrZ3JvdW5kIjp7IiRpZCI6IjIxMyIsIkNvbG9yIjp7IiRpZCI6IjIxNCIsIkEiOjAsIlIiOjI1NSwiRyI6MjU1LCJCIjoyNTV9fSwiSXNWaXNpYmxlIjp0cnVlLCJXaWR0aCI6MC4wLCJIZWlnaHQiOjAuMCwiQm9yZGVyU3R5bGUiOnsiJGlkIjoiMjE1IiwiTGluZUNvbG9yIjpudWxsLCJMaW5lV2VpZ2h0IjowLjAsIkxpbmVUeXBlIjowLCJQYXJlbnRTdHlsZSI6bnVsbH0sIlBhcmVudFN0eWxlIjpudWxsfSwiRGF0ZUZvcm1hdCI6eyIkcmVmIjoiNTcifSwiV2Vla051bWJlcmluZyI6eyIkaWQiOiIyMTYiLCJGb3JtYXQiOjAsIklzVmlzaWJsZSI6ZmFsc2UsIkxhc3RLbm93blZpc2liaWxpdHlTdGF0ZSI6ZmFsc2V9LCJJc1Zpc2libGUiOnRydWUsIlBhcmVudFN0eWxlIjpudWxsfSwiSW5kZXgiOjUsIlNtYXJ0RHVyYXRpb25BY3RpdmF0ZWQiOmZhbHNlLCJEYXRlRm9ybWF0Ijp7IiRyZWYiOiI1NyJ9LCJXZWVrTnVtYmVyaW5nIjp7IiRpZCI6IjIxNyIsIkZvcm1hdCI6MCwiSXNWaXNpYmxlIjpmYWxzZSwiTGFzdEtub3duVmlzaWJpbGl0eVN0YXRlIjpmYWxzZX0sIklkIjoiZmQwMmQ2MWItNmU0MS00YmUwLTgxYWEtODE4N2FjZTJkYzVlIiwiSW1wb3J0SWQiOm51bGwsIlRpdGxlIjoiQWRkIEFkbWluIiwiTm90ZSI6bnVsbCwiSHlwZXJsaW5rIjp7IiRpZCI6IjIxOCIsIkFkZHJlc3MiOiIiLCJTdWJBZGRyZXNzIjoiIn0sIklzQ2hhbmdlZCI6ZmFsc2UsIklzTmV3IjpmYWxzZX19XSwiX21pbGVzdG9uZXMiOltdLCJJZCI6IjAwMDAwMDAwLTAwMDAtMDAwMC0wMDAwLTAwMDAwMDAwMDAwMCIsIklzU2luZ2xlSXRlbVJvdyI6dHJ1ZX0seyIkaWQiOiIyMTkiLCJfdGFza3MiOlt7IiRpZCI6IjIyMCIsIl9hdHRhY2hlZE1pbGVzdG9uZXMiOltdLCJUYXNrRGVmaW5pdGlvbiI6eyIkaWQiOiIyMjEiLCJHcm91cE5hbWUiOm51bGwsIlN0YXJ0RGF0ZSI6IjIwMjItMDUtMTFUMDA6MDA6MDBaIiwiRW5kRGF0ZSI6IjIwMjItMDUtMTNUMjM6NTk6MDBaIiwiUGVyY2VudGFnZUNvbXBsZXRlIjpudWxsLCJTdHlsZSI6eyIkaWQiOiIyMjIiLCJTaGFwZSI6MiwiU2hhcGVUaGlja25lc3MiOjEsIkR1cmF0aW9uRm9ybWF0IjowLCJJbmNsdWRlTm9uV29ya2luZ0RheXNJbkR1cmF0aW9uIjpmYWxzZSwiUGVyY2VudGFnZUNvbXBsZXRlU3R5bGUiOnsiJGlkIjoiMjIzIiwiRm9udFNldHRpbmdzIjp7IiRpZCI6IjIyNCIsIkZvbnRTaXplIjoxMCwiRm9udE5hbWUiOiJDYWxpYnJpIiwiSXNCb2xkIjpmYWxzZSwiSXNJdGFsaWMiOmZhbHNlLCJJc1VuZGVybGluZWQiOmZhbHNlLCJQYXJlbnRTdHlsZSI6bnVsbH0sIkF1dG9TaXplIjowLCJGb3JlZ3JvdW5kIjp7IiRyZWYiOiIxMCJ9LCJNYXhXaWR0aCI6MjAwLjAsIk1heEhlaWdodCI6IkluZmluaXR5IiwiU21hcnRGb3JlZ3JvdW5kSXNBY3RpdmUiOmZhbHNlLCJIb3Jpem9udGFsQWxpZ25tZW50IjowLCJWZXJ0aWNhbEFsaWdubWVudCI6MCwiU21hcnRGb3JlZ3JvdW5kIjpudWxsLCJCYWNrZ3JvdW5kRmlsbFR5cGUiOjAsIk1hcmdpbiI6eyIkcmVmIjoiMTIifSwiUGFkZGluZyI6eyIkcmVmIjoiMTMifSwiQmFja2dyb3VuZCI6eyIkcmVmIjoiMTQifSwiSXNWaXNpYmxlIjp0cnVlLCJXaWR0aCI6MC4wLCJIZWlnaHQiOjAuMCwiQm9yZGVyU3R5bGUiOnsiJGlkIjoiMjI1IiwiTGluZUNvbG9yIjpudWxsLCJMaW5lV2VpZ2h0IjowLjAsIkxpbmVUeXBlIjowLCJQYXJlbnRTdHlsZSI6bnVsbH0sIlBhcmVudFN0eWxlIjpudWxsfSwiRHVyYXRpb25TdHlsZSI6eyIkaWQiOiIyMjYiLCJGb250U2V0dGluZ3MiOnsiJGlkIjoiMjI3IiwiRm9udFNpemUiOjEwLCJGb250TmFtZSI6IkNhbGlicmkiLCJJc0JvbGQiOmZhbHNlLCJJc0l0YWxpYyI6ZmFsc2UsIklzVW5kZXJsaW5lZCI6ZmFsc2UsIlBhcmVudFN0eWxlIjpudWxsfSwiQXV0b1NpemUiOjAsIkZvcmVncm91bmQiOnsiJHJlZiI6IjE5In0sIk1heFdpZHRoIjoyMDAuMCwiTWF4SGVpZ2h0IjoiSW5maW5pdHkiLCJTbWFydEZvcmVncm91bmRJc0FjdGl2ZSI6ZmFsc2UsIkhvcml6b250YWxBbGlnbm1lbnQiOjAsIlZlcnRpY2FsQWxpZ25tZW50IjowLCJTbWFydEZvcmVncm91bmQiOm51bGwsIkJhY2tncm91bmRGaWxsVHlwZSI6MCwiTWFyZ2luIjp7IiRyZWYiOiIyMSJ9LCJQYWRkaW5nIjp7IiRyZWYiOiIyMiJ9LCJCYWNrZ3JvdW5kIjp7IiRyZWYiOiIyMyJ9LCJJc1Zpc2libGUiOnRydWUsIldpZHRoIjowLjAsIkhlaWdodCI6MC4wLCJCb3JkZXJTdHlsZSI6eyIkaWQiOiIyMjgiLCJMaW5lQ29sb3IiOm51bGwsIkxpbmVXZWlnaHQiOjAuMCwiTGluZVR5cGUiOjAsIlBhcmVudFN0eWxlIjpudWxsfSwiUGFyZW50U3R5bGUiOm51bGx9LCJIb3Jpem9udGFsQ29ubmVjdG9yU3R5bGUiOnsiJGlkIjoiMjI5IiwiTGluZUNvbG9yIjp7IiRyZWYiOiIyNiJ9LCJMaW5lV2VpZ2h0IjoxLjAsIkxpbmVUeXBlIjowLCJQYXJlbnRTdHlsZSI6bnVsbH0sIlZlcnRpY2FsQ29ubmVjdG9yU3R5bGUiOnsiJGlkIjoiMjMwIiwiTGluZUNvbG9yIjp7IiRyZWYiOiIyOSJ9LCJMaW5lV2VpZ2h0IjowLjAsIkxpbmVUeXBlIjowLCJQYXJlbnRTdHlsZSI6bnVsbH0sIk1hcmdpbiI6bnVsbCwiU3RhcnREYXRlUG9zaXRpb24iOjMsIkVuZERhdGVQb3NpdGlvbiI6NCwiRGF0ZUlzVmlzaWJsZSI6dHJ1ZSwiVGl0bGVQb3NpdGlvbiI6MiwiRHVyYXRpb25Qb3NpdGlvbiI6NiwiUGVyY2VudGFnZUNvbXBsZXRlZFBvc2l0aW9uIjo2LCJTcGFjaW5nIjo1LCJJc0JlbG93VGltZWJhbmQiOnRydWUsIlBlcmNlbnRhZ2VDb21wbGV0ZVNoYXBlT3BhY2l0eSI6MzUsIlNoYXBlU3R5bGUiOnsiJGlkIjoiMjMxIiwiTWFyZ2luIjp7IiRyZWYiOiIzMiJ9LCJQYWRkaW5nIjp7IiRyZWYiOiIzMyJ9LCJCYWNrZ3JvdW5kIjp7IiRpZCI6IjIzMiIsIkNvbG9yIjp7IiRpZCI6IjIzMyIsIkEiOjI1NSwiUiI6OTEsIkciOjE1NSwiQiI6MjEzfX0sIklzVmlzaWJsZSI6dHJ1ZSwiV2lkdGgiOjAuMCwiSGVpZ2h0IjoxNi4wLCJCb3JkZXJTdHlsZSI6eyIkaWQiOiIyMzQiLCJMaW5lQ29sb3IiOnsiJHJlZiI6IjM3In0sIkxpbmVXZWlnaHQiOjAuMCwiTGluZVR5cGUiOjAsIlBhcmVudFN0eWxlIjpudWxsfSwiUGFyZW50U3R5bGUiOm51bGx9LCJUaXRsZVN0eWxlIjp7IiRpZCI6IjIzNSIsIkZvbnRTZXR0aW5ncyI6eyIkaWQiOiIyMzYiLCJGb250U2l6ZSI6MTEsIkZvbnROYW1lIjoiQ2FsaWJyaSIsIklzQm9sZCI6dHJ1ZSwiSXNJdGFsaWMiOmZhbHNlLCJJc1VuZGVybGluZWQiOmZhbHNlLCJQYXJlbnRTdHlsZSI6bnVsbH0sIkF1dG9TaXplIjowLCJGb3JlZ3JvdW5kIjp7IiRpZCI6IjIzNyIsIkNvbG9yIjp7IiRpZCI6IjIzOCIsIkEiOjI1NSwiUiI6MCwiRyI6MCwiQiI6MH19LCJNYXhXaWR0aCI6NzIwLjAsIk1heEhlaWdodCI6IkluZmluaXR5IiwiU21hcnRGb3JlZ3JvdW5kSXNBY3RpdmUiOmZhbHNlLCJIb3Jpem9udGFsQWxpZ25tZW50IjoxLCJWZXJ0aWNhbEFsaWdubWVudCI6MCwiU21hcnRGb3JlZ3JvdW5kIjpudWxsLCJCYWNrZ3JvdW5kRmlsbFR5cGUiOjAsIk1hcmdpbiI6eyIkcmVmIjoiNDMifSwiUGFkZGluZyI6eyIkcmVmIjoiNDQifSwiQmFja2dyb3VuZCI6eyIkaWQiOiIyMzkiLCJDb2xvciI6eyIkaWQiOiIyNDAiLCJBIjowLCJSIjoyNTUsIkciOjI1NSwiQiI6MjU1fX0sIklzVmlzaWJsZSI6dHJ1ZSwiV2lkdGgiOjAuMCwiSGVpZ2h0IjowLjAsIkJvcmRlclN0eWxlIjp7IiRpZCI6IjI0MSIsIkxpbmVDb2xvciI6bnVsbCwiTGluZVdlaWdodCI6MC4wLCJMaW5lVHlwZSI6MCwiUGFyZW50U3R5bGUiOm51bGx9LCJQYXJlbnRTdHlsZSI6bnVsbH0sIkRhdGVTdHlsZSI6eyIkaWQiOiIyNDIiLCJGb250U2V0dGluZ3MiOnsiJGlkIjoiMjQzIiwiRm9udFNpemUiOjEwLCJGb250TmFtZSI6IkNhbGlicmkiLCJJc0JvbGQiOmZhbHNlLCJJc0l0YWxpYyI6ZmFsc2UsIklzVW5kZXJsaW5lZCI6ZmFsc2UsIlBhcmVudFN0eWxlIjpudWxsfSwiQXV0b1NpemUiOjAsIkZvcmVncm91bmQiOnsiJGlkIjoiMjQ0IiwiQ29sb3IiOnsiJGlkIjoiMjQ1IiwiQSI6MjU1LCJSIjo2OCwiRyI6ODQsIkIiOjEwNn19LCJNYXhXaWR0aCI6MjAwLjAsIk1heEhlaWdodCI6IkluZmluaXR5IiwiU21hcnRGb3JlZ3JvdW5kSXNBY3RpdmUiOmZhbHNlLCJIb3Jpem9udGFsQWxpZ25tZW50IjoxLCJWZXJ0aWNhbEFsaWdubWVudCI6MCwiU21hcnRGb3JlZ3JvdW5kIjpudWxsLCJCYWNrZ3JvdW5kRmlsbFR5cGUiOjAsIk1hcmdpbiI6eyIkcmVmIjoiNTIifSwiUGFkZGluZyI6eyIkcmVmIjoiNTMifSwiQmFja2dyb3VuZCI6eyIkaWQiOiIyNDYiLCJDb2xvciI6eyIkaWQiOiIyNDciLCJBIjowLCJSIjoyNTUsIkciOjI1NSwiQiI6MjU1fX0sIklzVmlzaWJsZSI6dHJ1ZSwiV2lkdGgiOjAuMCwiSGVpZ2h0IjowLjAsIkJvcmRlclN0eWxlIjp7IiRpZCI6IjI0OCIsIkxpbmVDb2xvciI6bnVsbCwiTGluZVdlaWdodCI6MC4wLCJMaW5lVHlwZSI6MCwiUGFyZW50U3R5bGUiOm51bGx9LCJQYXJlbnRTdHlsZSI6bnVsbH0sIkRhdGVGb3JtYXQiOnsiJHJlZiI6IjU3In0sIldlZWtOdW1iZXJpbmciOnsiJGlkIjoiMjQ5IiwiRm9ybWF0IjowLCJJc1Zpc2libGUiOmZhbHNlLCJMYXN0S25vd25WaXNpYmlsaXR5U3RhdGUiOmZhbHNlfSwiSXNWaXNpYmxlIjp0cnVlLCJQYXJlbnRTdHlsZSI6bnVsbH0sIkluZGV4Ijo2LCJTbWFydER1cmF0aW9uQWN0aXZhdGVkIjpmYWxzZSwiRGF0ZUZvcm1hdCI6eyIkcmVmIjoiNTcifSwiV2Vla051bWJlcmluZyI6eyIkaWQiOiIyNTAiLCJGb3JtYXQiOjAsIklzVmlzaWJsZSI6ZmFsc2UsIkxhc3RLbm93blZpc2liaWxpdHlTdGF0ZSI6ZmFsc2V9LCJJZCI6ImZlNDk4MDlkLWFlYTgtNDJhNy05MmJkLWE4ZTUyMDg4NDYwYiIsIkltcG9ydElkIjpudWxsLCJUaXRsZSI6IkFkZCBVc2VyIiwiTm90ZSI6bnVsbCwiSHlwZXJsaW5rIjp7IiRpZCI6IjI1MSIsIkFkZHJlc3MiOiIiLCJTdWJBZGRyZXNzIjoiIn0sIklzQ2hhbmdlZCI6ZmFsc2UsIklzTmV3IjpmYWxzZX19XSwiX21pbGVzdG9uZXMiOltdLCJJZCI6IjAwMDAwMDAwLTAwMDAtMDAwMC0wMDAwLTAwMDAwMDAwMDAwMCIsIklzU2luZ2xlSXRlbVJvdyI6dHJ1ZX0seyIkaWQiOiIyNTIiLCJfdGFza3MiOlt7IiRpZCI6IjI1MyIsIl9hdHRhY2hlZE1pbGVzdG9uZXMiOltdLCJUYXNrRGVmaW5pdGlvbiI6eyIkaWQiOiIyNTQiLCJHcm91cE5hbWUiOm51bGwsIlN0YXJ0RGF0ZSI6IjIwMjItMDUtMDlUMDA6MDA6MDBaIiwiRW5kRGF0ZSI6IjIwMjItMDUtMTNUMjM6NTk6MDBaIiwiUGVyY2VudGFnZUNvbXBsZXRlIjpudWxsLCJTdHlsZSI6eyIkaWQiOiIyNTUiLCJTaGFwZSI6MiwiU2hhcGVUaGlja25lc3MiOjEsIkR1cmF0aW9uRm9ybWF0IjowLCJJbmNsdWRlTm9uV29ya2luZ0RheXNJbkR1cmF0aW9uIjpmYWxzZSwiUGVyY2VudGFnZUNvbXBsZXRlU3R5bGUiOnsiJGlkIjoiMjU2IiwiRm9udFNldHRpbmdzIjp7IiRpZCI6IjI1NyIsIkZvbnRTaXplIjoxMCwiRm9udE5hbWUiOiJDYWxpYnJpIiwiSXNCb2xkIjpmYWxzZSwiSXNJdGFsaWMiOmZhbHNlLCJJc1VuZGVybGluZWQiOmZhbHNlLCJQYXJlbnRTdHlsZSI6bnVsbH0sIkF1dG9TaXplIjowLCJGb3JlZ3JvdW5kIjp7IiRyZWYiOiIxMCJ9LCJNYXhXaWR0aCI6MjAwLjAsIk1heEhlaWdodCI6IkluZmluaXR5IiwiU21hcnRGb3JlZ3JvdW5kSXNBY3RpdmUiOmZhbHNlLCJIb3Jpem9udGFsQWxpZ25tZW50IjowLCJWZXJ0aWNhbEFsaWdubWVudCI6MCwiU21hcnRGb3JlZ3JvdW5kIjpudWxsLCJCYWNrZ3JvdW5kRmlsbFR5cGUiOjAsIk1hcmdpbiI6eyIkcmVmIjoiMTIifSwiUGFkZGluZyI6eyIkcmVmIjoiMTMifSwiQmFja2dyb3VuZCI6eyIkcmVmIjoiMTQifSwiSXNWaXNpYmxlIjp0cnVlLCJXaWR0aCI6MC4wLCJIZWlnaHQiOjAuMCwiQm9yZGVyU3R5bGUiOnsiJGlkIjoiMjU4IiwiTGluZUNvbG9yIjpudWxsLCJMaW5lV2VpZ2h0IjowLjAsIkxpbmVUeXBlIjowLCJQYXJlbnRTdHlsZSI6bnVsbH0sIlBhcmVudFN0eWxlIjpudWxsfSwiRHVyYXRpb25TdHlsZSI6eyIkaWQiOiIyNTkiLCJGb250U2V0dGluZ3MiOnsiJGlkIjoiMjYwIiwiRm9udFNpemUiOjEwLCJGb250TmFtZSI6IkNhbGlicmkiLCJJc0JvbGQiOmZhbHNlLCJJc0l0YWxpYyI6ZmFsc2UsIklzVW5kZXJsaW5lZCI6ZmFsc2UsIlBhcmVudFN0eWxlIjpudWxsfSwiQXV0b1NpemUiOjAsIkZvcmVncm91bmQiOnsiJHJlZiI6IjE5In0sIk1heFdpZHRoIjoyMDAuMCwiTWF4SGVpZ2h0IjoiSW5maW5pdHkiLCJTbWFydEZvcmVncm91bmRJc0FjdGl2ZSI6ZmFsc2UsIkhvcml6b250YWxBbGlnbm1lbnQiOjAsIlZlcnRpY2FsQWxpZ25tZW50IjowLCJTbWFydEZvcmVncm91bmQiOm51bGwsIkJhY2tncm91bmRGaWxsVHlwZSI6MCwiTWFyZ2luIjp7IiRyZWYiOiIyMSJ9LCJQYWRkaW5nIjp7IiRyZWYiOiIyMiJ9LCJCYWNrZ3JvdW5kIjp7IiRyZWYiOiIyMyJ9LCJJc1Zpc2libGUiOnRydWUsIldpZHRoIjowLjAsIkhlaWdodCI6MC4wLCJCb3JkZXJTdHlsZSI6eyIkaWQiOiIyNjEiLCJMaW5lQ29sb3IiOm51bGwsIkxpbmVXZWlnaHQiOjAuMCwiTGluZVR5cGUiOjAsIlBhcmVudFN0eWxlIjpudWxsfSwiUGFyZW50U3R5bGUiOm51bGx9LCJIb3Jpem9udGFsQ29ubmVjdG9yU3R5bGUiOnsiJGlkIjoiMjYyIiwiTGluZUNvbG9yIjp7IiRyZWYiOiIyNiJ9LCJMaW5lV2VpZ2h0IjoxLjAsIkxpbmVUeXBlIjowLCJQYXJlbnRTdHlsZSI6bnVsbH0sIlZlcnRpY2FsQ29ubmVjdG9yU3R5bGUiOnsiJGlkIjoiMjYzIiwiTGluZUNvbG9yIjp7IiRyZWYiOiIyOSJ9LCJMaW5lV2VpZ2h0IjowLjAsIkxpbmVUeXBlIjowLCJQYXJlbnRTdHlsZSI6bnVsbH0sIk1hcmdpbiI6bnVsbCwiU3RhcnREYXRlUG9zaXRpb24iOjMsIkVuZERhdGVQb3NpdGlvbiI6NCwiRGF0ZUlzVmlzaWJsZSI6dHJ1ZSwiVGl0bGVQb3NpdGlvbiI6MiwiRHVyYXRpb25Qb3NpdGlvbiI6NiwiUGVyY2VudGFnZUNvbXBsZXRlZFBvc2l0aW9uIjo2LCJTcGFjaW5nIjo1LCJJc0JlbG93VGltZWJhbmQiOnRydWUsIlBlcmNlbnRhZ2VDb21wbGV0ZVNoYXBlT3BhY2l0eSI6MzUsIlNoYXBlU3R5bGUiOnsiJGlkIjoiMjY0IiwiTWFyZ2luIjp7IiRyZWYiOiIzMiJ9LCJQYWRkaW5nIjp7IiRyZWYiOiIzMyJ9LCJCYWNrZ3JvdW5kIjp7IiRpZCI6IjI2NSIsIkNvbG9yIjp7IiRpZCI6IjI2NiIsIkEiOjI1NSwiUiI6OTEsIkciOjE1NSwiQiI6MjEzfX0sIklzVmlzaWJsZSI6dHJ1ZSwiV2lkdGgiOjAuMCwiSGVpZ2h0IjoxNi4wLCJCb3JkZXJTdHlsZSI6eyIkaWQiOiIyNjciLCJMaW5lQ29sb3IiOnsiJHJlZiI6IjM3In0sIkxpbmVXZWlnaHQiOjAuMCwiTGluZVR5cGUiOjAsIlBhcmVudFN0eWxlIjpudWxsfSwiUGFyZW50U3R5bGUiOm51bGx9LCJUaXRsZVN0eWxlIjp7IiRpZCI6IjI2OCIsIkZvbnRTZXR0aW5ncyI6eyIkaWQiOiIyNjkiLCJGb250U2l6ZSI6MTEsIkZvbnROYW1lIjoiQ2FsaWJyaSIsIklzQm9sZCI6dHJ1ZSwiSXNJdGFsaWMiOmZhbHNlLCJJc1VuZGVybGluZWQiOmZhbHNlLCJQYXJlbnRTdHlsZSI6bnVsbH0sIkF1dG9TaXplIjowLCJGb3JlZ3JvdW5kIjp7IiRpZCI6IjI3MCIsIkNvbG9yIjp7IiRpZCI6IjI3MSIsIkEiOjI1NSwiUiI6MCwiRyI6MCwiQiI6MH19LCJNYXhXaWR0aCI6NzIwLjAsIk1heEhlaWdodCI6IkluZmluaXR5IiwiU21hcnRGb3JlZ3JvdW5kSXNBY3RpdmUiOmZhbHNlLCJIb3Jpem9udGFsQWxpZ25tZW50IjoxLCJWZXJ0aWNhbEFsaWdubWVudCI6MCwiU21hcnRGb3JlZ3JvdW5kIjpudWxsLCJCYWNrZ3JvdW5kRmlsbFR5cGUiOjAsIk1hcmdpbiI6eyIkcmVmIjoiNDMifSwiUGFkZGluZyI6eyIkcmVmIjoiNDQifSwiQmFja2dyb3VuZCI6eyIkaWQiOiIyNzIiLCJDb2xvciI6eyIkaWQiOiIyNzMiLCJBIjowLCJSIjoyNTUsIkciOjI1NSwiQiI6MjU1fX0sIklzVmlzaWJsZSI6dHJ1ZSwiV2lkdGgiOjAuMCwiSGVpZ2h0IjowLjAsIkJvcmRlclN0eWxlIjp7IiRpZCI6IjI3NCIsIkxpbmVDb2xvciI6bnVsbCwiTGluZVdlaWdodCI6MC4wLCJMaW5lVHlwZSI6MCwiUGFyZW50U3R5bGUiOm51bGx9LCJQYXJlbnRTdHlsZSI6bnVsbH0sIkRhdGVTdHlsZSI6eyIkaWQiOiIyNzUiLCJGb250U2V0dGluZ3MiOnsiJGlkIjoiMjc2IiwiRm9udFNpemUiOjEwLCJGb250TmFtZSI6IkNhbGlicmkiLCJJc0JvbGQiOmZhbHNlLCJJc0l0YWxpYyI6ZmFsc2UsIklzVW5kZXJsaW5lZCI6ZmFsc2UsIlBhcmVudFN0eWxlIjpudWxsfSwiQXV0b1NpemUiOjAsIkZvcmVncm91bmQiOnsiJGlkIjoiMjc3IiwiQ29sb3IiOnsiJGlkIjoiMjc4IiwiQSI6MjU1LCJSIjo2OCwiRyI6ODQsIkIiOjEwNn19LCJNYXhXaWR0aCI6MjAwLjAsIk1heEhlaWdodCI6IkluZmluaXR5IiwiU21hcnRGb3JlZ3JvdW5kSXNBY3RpdmUiOmZhbHNlLCJIb3Jpem9udGFsQWxpZ25tZW50IjoxLCJWZXJ0aWNhbEFsaWdubWVudCI6MCwiU21hcnRGb3JlZ3JvdW5kIjpudWxsLCJCYWNrZ3JvdW5kRmlsbFR5cGUiOjAsIk1hcmdpbiI6eyIkcmVmIjoiNTIifSwiUGFkZGluZyI6eyIkcmVmIjoiNTMifSwiQmFja2dyb3VuZCI6eyIkaWQiOiIyNzkiLCJDb2xvciI6eyIkaWQiOiIyODAiLCJBIjowLCJSIjoyNTUsIkciOjI1NSwiQiI6MjU1fX0sIklzVmlzaWJsZSI6dHJ1ZSwiV2lkdGgiOjAuMCwiSGVpZ2h0IjowLjAsIkJvcmRlclN0eWxlIjp7IiRpZCI6IjI4MSIsIkxpbmVDb2xvciI6bnVsbCwiTGluZVdlaWdodCI6MC4wLCJMaW5lVHlwZSI6MCwiUGFyZW50U3R5bGUiOm51bGx9LCJQYXJlbnRTdHlsZSI6bnVsbH0sIkRhdGVGb3JtYXQiOnsiJHJlZiI6IjU3In0sIldlZWtOdW1iZXJpbmciOnsiJGlkIjoiMjgyIiwiRm9ybWF0IjowLCJJc1Zpc2libGUiOmZhbHNlLCJMYXN0S25vd25WaXNpYmlsaXR5U3RhdGUiOmZhbHNlfSwiSXNWaXNpYmxlIjp0cnVlLCJQYXJlbnRTdHlsZSI6bnVsbH0sIkluZGV4Ijo3LCJTbWFydER1cmF0aW9uQWN0aXZhdGVkIjpmYWxzZSwiRGF0ZUZvcm1hdCI6eyIkcmVmIjoiNTcifSwiV2Vla051bWJlcmluZyI6eyIkaWQiOiIyODMiLCJGb3JtYXQiOjAsIklzVmlzaWJsZSI6ZmFsc2UsIkxhc3RLbm93blZpc2liaWxpdHlTdGF0ZSI6ZmFsc2V9LCJJZCI6IjBkNDAwYTAyLTAyYjAtNDI2NC1iNTJmLTExMDgxZWVmNmVhMCIsIkltcG9ydElkIjpudWxsLCJUaXRsZSI6IkFkZCBDYXIiLCJOb3RlIjpudWxsLCJIeXBlcmxpbmsiOnsiJGlkIjoiMjg0IiwiQWRkcmVzcyI6IiIsIlN1YkFkZHJlc3MiOiIifSwiSXNDaGFuZ2VkIjpmYWxzZSwiSXNOZXciOmZhbHNlfX1dLCJfbWlsZXN0b25lcyI6W10sIklkIjoiMDAwMDAwMDAtMDAwMC0wMDAwLTAwMDAtMDAwMDAwMDAwMDAwIiwiSXNTaW5nbGVJdGVtUm93Ijp0cnVlfSx7IiRpZCI6IjI4NSIsIl90YXNrcyI6W3siJGlkIjoiMjg2IiwiX2F0dGFjaGVkTWlsZXN0b25lcyI6W10sIlRhc2tEZWZpbml0aW9uIjp7IiRpZCI6IjI4NyIsIkdyb3VwTmFtZSI6bnVsbCwiU3RhcnREYXRlIjoiMjAyMi0wNS0xMFQwMDowMDowMFoiLCJFbmREYXRlIjoiMjAyMi0wNS0xM1QyMzo1OTowMFoiLCJQZXJjZW50YWdlQ29tcGxldGUiOm51bGwsIlN0eWxlIjp7IiRpZCI6IjI4OCIsIlNoYXBlIjoyLCJTaGFwZVRoaWNrbmVzcyI6MSwiRHVyYXRpb25Gb3JtYXQiOjAsIkluY2x1ZGVOb25Xb3JraW5nRGF5c0luRHVyYXRpb24iOmZhbHNlLCJQZXJjZW50YWdlQ29tcGxldGVTdHlsZSI6eyIkaWQiOiIyODkiLCJGb250U2V0dGluZ3MiOnsiJGlkIjoiMjkwIiwiRm9udFNpemUiOjEwLCJGb250TmFtZSI6IkNhbGlicmkiLCJJc0JvbGQiOmZhbHNlLCJJc0l0YWxpYyI6ZmFsc2UsIklzVW5kZXJsaW5lZCI6ZmFsc2UsIlBhcmVudFN0eWxlIjpudWxsfSwiQXV0b1NpemUiOjAsIkZvcmVncm91bmQiOnsiJHJlZiI6IjEwIn0sIk1heFdpZHRoIjoyMDAuMCwiTWF4SGVpZ2h0IjoiSW5maW5pdHkiLCJTbWFydEZvcmVncm91bmRJc0FjdGl2ZSI6ZmFsc2UsIkhvcml6b250YWxBbGlnbm1lbnQiOjAsIlZlcnRpY2FsQWxpZ25tZW50IjowLCJTbWFydEZvcmVncm91bmQiOm51bGwsIkJhY2tncm91bmRGaWxsVHlwZSI6MCwiTWFyZ2luIjp7IiRyZWYiOiIxMiJ9LCJQYWRkaW5nIjp7IiRyZWYiOiIxMyJ9LCJCYWNrZ3JvdW5kIjp7IiRyZWYiOiIxNCJ9LCJJc1Zpc2libGUiOnRydWUsIldpZHRoIjowLjAsIkhlaWdodCI6MC4wLCJCb3JkZXJTdHlsZSI6eyIkaWQiOiIyOTEiLCJMaW5lQ29sb3IiOm51bGwsIkxpbmVXZWlnaHQiOjAuMCwiTGluZVR5cGUiOjAsIlBhcmVudFN0eWxlIjpudWxsfSwiUGFyZW50U3R5bGUiOm51bGx9LCJEdXJhdGlvblN0eWxlIjp7IiRpZCI6IjI5MiIsIkZvbnRTZXR0aW5ncyI6eyIkaWQiOiIyOTMiLCJGb250U2l6ZSI6MTAsIkZvbnROYW1lIjoiQ2FsaWJyaSIsIklzQm9sZCI6ZmFsc2UsIklzSXRhbGljIjpmYWxzZSwiSXNVbmRlcmxpbmVkIjpmYWxzZSwiUGFyZW50U3R5bGUiOm51bGx9LCJBdXRvU2l6ZSI6MCwiRm9yZWdyb3VuZCI6eyIkcmVmIjoiMTkifSwiTWF4V2lkdGgiOjIwMC4wLCJNYXhIZWlnaHQiOiJJbmZpbml0eSIsIlNtYXJ0Rm9yZWdyb3VuZElzQWN0aXZlIjpmYWxzZSwiSG9yaXpvbnRhbEFsaWdubWVudCI6MCwiVmVydGljYWxBbGlnbm1lbnQiOjAsIlNtYXJ0Rm9yZWdyb3VuZCI6bnVsbCwiQmFja2dyb3VuZEZpbGxUeXBlIjowLCJNYXJnaW4iOnsiJHJlZiI6IjIxIn0sIlBhZGRpbmciOnsiJHJlZiI6IjIyIn0sIkJhY2tncm91bmQiOnsiJHJlZiI6IjIzIn0sIklzVmlzaWJsZSI6dHJ1ZSwiV2lkdGgiOjAuMCwiSGVpZ2h0IjowLjAsIkJvcmRlclN0eWxlIjp7IiRpZCI6IjI5NCIsIkxpbmVDb2xvciI6bnVsbCwiTGluZVdlaWdodCI6MC4wLCJMaW5lVHlwZSI6MCwiUGFyZW50U3R5bGUiOm51bGx9LCJQYXJlbnRTdHlsZSI6bnVsbH0sIkhvcml6b250YWxDb25uZWN0b3JTdHlsZSI6eyIkaWQiOiIyOTUiLCJMaW5lQ29sb3IiOnsiJHJlZiI6IjI2In0sIkxpbmVXZWlnaHQiOjEuMCwiTGluZVR5cGUiOjAsIlBhcmVudFN0eWxlIjpudWxsfSwiVmVydGljYWxDb25uZWN0b3JTdHlsZSI6eyIkaWQiOiIyOTYiLCJMaW5lQ29sb3IiOnsiJHJlZiI6IjI5In0sIkxpbmVXZWlnaHQiOjAuMCwiTGluZVR5cGUiOjAsIlBhcmVudFN0eWxlIjpudWxsfSwiTWFyZ2luIjpudWxsLCJTdGFydERhdGVQb3NpdGlvbiI6MywiRW5kRGF0ZVBvc2l0aW9uIjo0LCJEYXRlSXNWaXNpYmxlIjp0cnVlLCJUaXRsZVBvc2l0aW9uIjoyLCJEdXJhdGlvblBvc2l0aW9uIjo2LCJQZXJjZW50YWdlQ29tcGxldGVkUG9zaXRpb24iOjYsIlNwYWNpbmciOjUsIklzQmVsb3dUaW1lYmFuZCI6dHJ1ZSwiUGVyY2VudGFnZUNvbXBsZXRlU2hhcGVPcGFjaXR5IjozNSwiU2hhcGVTdHlsZSI6eyIkaWQiOiIyOTciLCJNYXJnaW4iOnsiJHJlZiI6IjMyIn0sIlBhZGRpbmciOnsiJHJlZiI6IjMzIn0sIkJhY2tncm91bmQiOnsiJGlkIjoiMjk4IiwiQ29sb3IiOnsiJGlkIjoiMjk5IiwiQSI6MjU1LCJSIjo5MSwiRyI6MTU1LCJCIjoyMTN9fSwiSXNWaXNpYmxlIjp0cnVlLCJXaWR0aCI6MC4wLCJIZWlnaHQiOjE2LjAsIkJvcmRlclN0eWxlIjp7IiRpZCI6IjMwMCIsIkxpbmVDb2xvciI6eyIkcmVmIjoiMzcifSwiTGluZVdlaWdodCI6MC4wLCJMaW5lVHlwZSI6MCwiUGFyZW50U3R5bGUiOm51bGx9LCJQYXJlbnRTdHlsZSI6bnVsbH0sIlRpdGxlU3R5bGUiOnsiJGlkIjoiMzAxIiwiRm9udFNldHRpbmdzIjp7IiRpZCI6IjMwMiIsIkZvbnRTaXplIjoxMSwiRm9udE5hbWUiOiJDYWxpYnJpIiwiSXNCb2xkIjp0cnVlLCJJc0l0YWxpYyI6ZmFsc2UsIklzVW5kZXJsaW5lZCI6ZmFsc2UsIlBhcmVudFN0eWxlIjpudWxsfSwiQXV0b1NpemUiOjAsIkZvcmVncm91bmQiOnsiJGlkIjoiMzAzIiwiQ29sb3IiOnsiJGlkIjoiMzA0IiwiQSI6MjU1LCJSIjowLCJHIjowLCJCIjowfX0sIk1heFdpZHRoIjo3MjAuMCwiTWF4SGVpZ2h0IjoiSW5maW5pdHkiLCJTbWFydEZvcmVncm91bmRJc0FjdGl2ZSI6ZmFsc2UsIkhvcml6b250YWxBbGlnbm1lbnQiOjEsIlZlcnRpY2FsQWxpZ25tZW50IjowLCJTbWFydEZvcmVncm91bmQiOm51bGwsIkJhY2tncm91bmRGaWxsVHlwZSI6MCwiTWFyZ2luIjp7IiRyZWYiOiI0MyJ9LCJQYWRkaW5nIjp7IiRyZWYiOiI0NCJ9LCJCYWNrZ3JvdW5kIjp7IiRpZCI6IjMwNSIsIkNvbG9yIjp7IiRpZCI6IjMwNiIsIkEiOjAsIlIiOjI1NSwiRyI6MjU1LCJCIjoyNTV9fSwiSXNWaXNpYmxlIjp0cnVlLCJXaWR0aCI6MC4wLCJIZWlnaHQiOjAuMCwiQm9yZGVyU3R5bGUiOnsiJGlkIjoiMzA3IiwiTGluZUNvbG9yIjpudWxsLCJMaW5lV2VpZ2h0IjowLjAsIkxpbmVUeXBlIjowLCJQYXJlbnRTdHlsZSI6bnVsbH0sIlBhcmVudFN0eWxlIjpudWxsfSwiRGF0ZVN0eWxlIjp7IiRpZCI6IjMwOCIsIkZvbnRTZXR0aW5ncyI6eyIkaWQiOiIzMDkiLCJGb250U2l6ZSI6MTAsIkZvbnROYW1lIjoiQ2FsaWJyaSIsIklzQm9sZCI6ZmFsc2UsIklzSXRhbGljIjpmYWxzZSwiSXNVbmRlcmxpbmVkIjpmYWxzZSwiUGFyZW50U3R5bGUiOm51bGx9LCJBdXRvU2l6ZSI6MCwiRm9yZWdyb3VuZCI6eyIkaWQiOiIzMTAiLCJDb2xvciI6eyIkaWQiOiIzMTEiLCJBIjoyNTUsIlIiOjY4LCJHIjo4NCwiQiI6MTA2fX0sIk1heFdpZHRoIjoyMDAuMCwiTWF4SGVpZ2h0IjoiSW5maW5pdHkiLCJTbWFydEZvcmVncm91bmRJc0FjdGl2ZSI6ZmFsc2UsIkhvcml6b250YWxBbGlnbm1lbnQiOjEsIlZlcnRpY2FsQWxpZ25tZW50IjowLCJTbWFydEZvcmVncm91bmQiOm51bGwsIkJhY2tncm91bmRGaWxsVHlwZSI6MCwiTWFyZ2luIjp7IiRyZWYiOiI1MiJ9LCJQYWRkaW5nIjp7IiRyZWYiOiI1MyJ9LCJCYWNrZ3JvdW5kIjp7IiRpZCI6IjMxMiIsIkNvbG9yIjp7IiRpZCI6IjMxMyIsIkEiOjAsIlIiOjI1NSwiRyI6MjU1LCJCIjoyNTV9fSwiSXNWaXNpYmxlIjp0cnVlLCJXaWR0aCI6MC4wLCJIZWlnaHQiOjAuMCwiQm9yZGVyU3R5bGUiOnsiJGlkIjoiMzE0IiwiTGluZUNvbG9yIjpudWxsLCJMaW5lV2VpZ2h0IjowLjAsIkxpbmVUeXBlIjowLCJQYXJlbnRTdHlsZSI6bnVsbH0sIlBhcmVudFN0eWxlIjpudWxsfSwiRGF0ZUZvcm1hdCI6eyIkcmVmIjoiNTcifSwiV2Vla051bWJlcmluZyI6eyIkaWQiOiIzMTUiLCJGb3JtYXQiOjAsIklzVmlzaWJsZSI6ZmFsc2UsIkxhc3RLbm93blZpc2liaWxpdHlTdGF0ZSI6ZmFsc2V9LCJJc1Zpc2libGUiOnRydWUsIlBhcmVudFN0eWxlIjpudWxsfSwiSW5kZXgiOjgsIlNtYXJ0RHVyYXRpb25BY3RpdmF0ZWQiOmZhbHNlLCJEYXRlRm9ybWF0Ijp7IiRyZWYiOiI1NyJ9LCJXZWVrTnVtYmVyaW5nIjp7IiRpZCI6IjMxNiIsIkZvcm1hdCI6MCwiSXNWaXNpYmxlIjpmYWxzZSwiTGFzdEtub3duVmlzaWJpbGl0eVN0YXRlIjpmYWxzZX0sIklkIjoiMWNhMTNjYTUtYTk1Yy00OTM3LWI2ZGEtMzIxNDkxNmIzMGJhIiwiSW1wb3J0SWQiOm51bGwsIlRpdGxlIjoiRGVsZXRlIENhciIsIk5vdGUiOm51bGwsIkh5cGVybGluayI6eyIkaWQiOiIzMTciLCJBZGRyZXNzIjoiIiwiU3ViQWRkcmVzcyI6IiJ9LCJJc0NoYW5nZWQiOmZhbHNlLCJJc05ldyI6ZmFsc2V9fV0sIl9taWxlc3RvbmVzIjpbXSwiSWQiOiIwMDAwMDAwMC0wMDAwLTAwMDAtMDAwMC0wMDAwMDAwMDAwMDAiLCJJc1NpbmdsZUl0ZW1Sb3ciOnRydWV9LHsiJGlkIjoiMzE4IiwiX3Rhc2tzIjpbeyIkaWQiOiIzMTkiLCJfYXR0YWNoZWRNaWxlc3RvbmVzIjpbXSwiVGFza0RlZmluaXRpb24iOnsiJGlkIjoiMzIwIiwiR3JvdXBOYW1lIjpudWxsLCJTdGFydERhdGUiOiIyMDIyLTA1LTEyVDAwOjAwOjAwWiIsIkVuZERhdGUiOiIyMDIyLTA1LTEzVDIzOjU5OjAwWiIsIlBlcmNlbnRhZ2VDb21wbGV0ZSI6bnVsbCwiU3R5bGUiOnsiJGlkIjoiMzIxIiwiU2hhcGUiOjIsIlNoYXBlVGhpY2tuZXNzIjoxLCJEdXJhdGlvbkZvcm1hdCI6MCwiSW5jbHVkZU5vbldvcmtpbmdEYXlzSW5EdXJhdGlvbiI6ZmFsc2UsIlBlcmNlbnRhZ2VDb21wbGV0ZVN0eWxlIjp7IiRpZCI6IjMyMiIsIkZvbnRTZXR0aW5ncyI6eyIkaWQiOiIzMjMiLCJGb250U2l6ZSI6MTAsIkZvbnROYW1lIjoiQ2FsaWJyaSIsIklzQm9sZCI6ZmFsc2UsIklzSXRhbGljIjpmYWxzZSwiSXNVbmRlcmxpbmVkIjpmYWxzZSwiUGFyZW50U3R5bGUiOm51bGx9LCJBdXRvU2l6ZSI6MCwiRm9yZWdyb3VuZCI6eyIkcmVmIjoiMTAifSwiTWF4V2lkdGgiOjIwMC4wLCJNYXhIZWlnaHQiOiJJbmZpbml0eSIsIlNtYXJ0Rm9yZWdyb3VuZElzQWN0aXZlIjpmYWxzZSwiSG9yaXpvbnRhbEFsaWdubWVudCI6MCwiVmVydGljYWxBbGlnbm1lbnQiOjAsIlNtYXJ0Rm9yZWdyb3VuZCI6bnVsbCwiQmFja2dyb3VuZEZpbGxUeXBlIjowLCJNYXJnaW4iOnsiJHJlZiI6IjEyIn0sIlBhZGRpbmciOnsiJHJlZiI6IjEzIn0sIkJhY2tncm91bmQiOnsiJHJlZiI6IjE0In0sIklzVmlzaWJsZSI6dHJ1ZSwiV2lkdGgiOjAuMCwiSGVpZ2h0IjowLjAsIkJvcmRlclN0eWxlIjp7IiRpZCI6IjMyNCIsIkxpbmVDb2xvciI6bnVsbCwiTGluZVdlaWdodCI6MC4wLCJMaW5lVHlwZSI6MCwiUGFyZW50U3R5bGUiOm51bGx9LCJQYXJlbnRTdHlsZSI6bnVsbH0sIkR1cmF0aW9uU3R5bGUiOnsiJGlkIjoiMzI1IiwiRm9udFNldHRpbmdzIjp7IiRpZCI6IjMyNiIsIkZvbnRTaXplIjoxMCwiRm9udE5hbWUiOiJDYWxpYnJpIiwiSXNCb2xkIjpmYWxzZSwiSXNJdGFsaWMiOmZhbHNlLCJJc1VuZGVybGluZWQiOmZhbHNlLCJQYXJlbnRTdHlsZSI6bnVsbH0sIkF1dG9TaXplIjowLCJGb3JlZ3JvdW5kIjp7IiRyZWYiOiIxOSJ9LCJNYXhXaWR0aCI6MjAwLjAsIk1heEhlaWdodCI6IkluZmluaXR5IiwiU21hcnRGb3JlZ3JvdW5kSXNBY3RpdmUiOmZhbHNlLCJIb3Jpem9udGFsQWxpZ25tZW50IjowLCJWZXJ0aWNhbEFsaWdubWVudCI6MCwiU21hcnRGb3JlZ3JvdW5kIjpudWxsLCJCYWNrZ3JvdW5kRmlsbFR5cGUiOjAsIk1hcmdpbiI6eyIkcmVmIjoiMjEifSwiUGFkZGluZyI6eyIkcmVmIjoiMjIifSwiQmFja2dyb3VuZCI6eyIkcmVmIjoiMjMifSwiSXNWaXNpYmxlIjp0cnVlLCJXaWR0aCI6MC4wLCJIZWlnaHQiOjAuMCwiQm9yZGVyU3R5bGUiOnsiJGlkIjoiMzI3IiwiTGluZUNvbG9yIjpudWxsLCJMaW5lV2VpZ2h0IjowLjAsIkxpbmVUeXBlIjowLCJQYXJlbnRTdHlsZSI6bnVsbH0sIlBhcmVudFN0eWxlIjpudWxsfSwiSG9yaXpvbnRhbENvbm5lY3RvclN0eWxlIjp7IiRpZCI6IjMyOCIsIkxpbmVDb2xvciI6eyIkcmVmIjoiMjYifSwiTGluZVdlaWdodCI6MS4wLCJMaW5lVHlwZSI6MCwiUGFyZW50U3R5bGUiOm51bGx9LCJWZXJ0aWNhbENvbm5lY3RvclN0eWxlIjp7IiRpZCI6IjMyOSIsIkxpbmVDb2xvciI6eyIkcmVmIjoiMjkifSwiTGluZVdlaWdodCI6MC4wLCJMaW5lVHlwZSI6MCwiUGFyZW50U3R5bGUiOm51bGx9LCJNYXJnaW4iOm51bGwsIlN0YXJ0RGF0ZVBvc2l0aW9uIjozLCJFbmREYXRlUG9zaXRpb24iOjQsIkRhdGVJc1Zpc2libGUiOnRydWUsIlRpdGxlUG9zaXRpb24iOjIsIkR1cmF0aW9uUG9zaXRpb24iOjYsIlBlcmNlbnRhZ2VDb21wbGV0ZWRQb3NpdGlvbiI6NiwiU3BhY2luZyI6NSwiSXNCZWxvd1RpbWViYW5kIjp0cnVlLCJQZXJjZW50YWdlQ29tcGxldGVTaGFwZU9wYWNpdHkiOjM1LCJTaGFwZVN0eWxlIjp7IiRpZCI6IjMzMCIsIk1hcmdpbiI6eyIkcmVmIjoiMzIifSwiUGFkZGluZyI6eyIkcmVmIjoiMzMifSwiQmFja2dyb3VuZCI6eyIkaWQiOiIzMzEiLCJDb2xvciI6eyIkaWQiOiIzMzIiLCJBIjoyNTUsIlIiOjkxLCJHIjoxNTUsIkIiOjIxM319LCJJc1Zpc2libGUiOnRydWUsIldpZHRoIjowLjAsIkhlaWdodCI6MTYuMCwiQm9yZGVyU3R5bGUiOnsiJGlkIjoiMzMzIiwiTGluZUNvbG9yIjp7IiRyZWYiOiIzNyJ9LCJMaW5lV2VpZ2h0IjowLjAsIkxpbmVUeXBlIjowLCJQYXJlbnRTdHlsZSI6bnVsbH0sIlBhcmVudFN0eWxlIjpudWxsfSwiVGl0bGVTdHlsZSI6eyIkaWQiOiIzMzQiLCJGb250U2V0dGluZ3MiOnsiJGlkIjoiMzM1IiwiRm9udFNpemUiOjExLCJGb250TmFtZSI6IkNhbGlicmkiLCJJc0JvbGQiOnRydWUsIklzSXRhbGljIjpmYWxzZSwiSXNVbmRlcmxpbmVkIjpmYWxzZSwiUGFyZW50U3R5bGUiOm51bGx9LCJBdXRvU2l6ZSI6MCwiRm9yZWdyb3VuZCI6eyIkaWQiOiIzMzYiLCJDb2xvciI6eyIkaWQiOiIzMzciLCJBIjoyNTUsIlIiOjAsIkciOjAsIkIiOjB9fSwiTWF4V2lkdGgiOjcyMC4wLCJNYXhIZWlnaHQiOiJJbmZpbml0eSIsIlNtYXJ0Rm9yZWdyb3VuZElzQWN0aXZlIjpmYWxzZSwiSG9yaXpvbnRhbEFsaWdubWVudCI6MSwiVmVydGljYWxBbGlnbm1lbnQiOjAsIlNtYXJ0Rm9yZWdyb3VuZCI6bnVsbCwiQmFja2dyb3VuZEZpbGxUeXBlIjowLCJNYXJnaW4iOnsiJHJlZiI6IjQzIn0sIlBhZGRpbmciOnsiJHJlZiI6IjQ0In0sIkJhY2tncm91bmQiOnsiJGlkIjoiMzM4IiwiQ29sb3IiOnsiJGlkIjoiMzM5IiwiQSI6MCwiUiI6MjU1LCJHIjoyNTUsIkIiOjI1NX19LCJJc1Zpc2libGUiOnRydWUsIldpZHRoIjowLjAsIkhlaWdodCI6MC4wLCJCb3JkZXJTdHlsZSI6eyIkaWQiOiIzNDAiLCJMaW5lQ29sb3IiOm51bGwsIkxpbmVXZWlnaHQiOjAuMCwiTGluZVR5cGUiOjAsIlBhcmVudFN0eWxlIjpudWxsfSwiUGFyZW50U3R5bGUiOm51bGx9LCJEYXRlU3R5bGUiOnsiJGlkIjoiMzQxIiwiRm9udFNldHRpbmdzIjp7IiRpZCI6IjM0MiIsIkZvbnRTaXplIjoxMCwiRm9udE5hbWUiOiJDYWxpYnJpIiwiSXNCb2xkIjpmYWxzZSwiSXNJdGFsaWMiOmZhbHNlLCJJc1VuZGVybGluZWQiOmZhbHNlLCJQYXJlbnRTdHlsZSI6bnVsbH0sIkF1dG9TaXplIjowLCJGb3JlZ3JvdW5kIjp7IiRpZCI6IjM0MyIsIkNvbG9yIjp7IiRpZCI6IjM0NCIsIkEiOjI1NSwiUiI6NjgsIkciOjg0LCJCIjoxMDZ9fSwiTWF4V2lkdGgiOjIwMC4wLCJNYXhIZWlnaHQiOiJJbmZpbml0eSIsIlNtYXJ0Rm9yZWdyb3VuZElzQWN0aXZlIjpmYWxzZSwiSG9yaXpvbnRhbEFsaWdubWVudCI6MSwiVmVydGljYWxBbGlnbm1lbnQiOjAsIlNtYXJ0Rm9yZWdyb3VuZCI6bnVsbCwiQmFja2dyb3VuZEZpbGxUeXBlIjowLCJNYXJnaW4iOnsiJHJlZiI6IjUyIn0sIlBhZGRpbmciOnsiJHJlZiI6IjUzIn0sIkJhY2tncm91bmQiOnsiJGlkIjoiMzQ1IiwiQ29sb3IiOnsiJGlkIjoiMzQ2IiwiQSI6MCwiUiI6MjU1LCJHIjoyNTUsIkIiOjI1NX19LCJJc1Zpc2libGUiOnRydWUsIldpZHRoIjowLjAsIkhlaWdodCI6MC4wLCJCb3JkZXJTdHlsZSI6eyIkaWQiOiIzNDciLCJMaW5lQ29sb3IiOm51bGwsIkxpbmVXZWlnaHQiOjAuMCwiTGluZVR5cGUiOjAsIlBhcmVudFN0eWxlIjpudWxsfSwiUGFyZW50U3R5bGUiOm51bGx9LCJEYXRlRm9ybWF0Ijp7IiRyZWYiOiI1NyJ9LCJXZWVrTnVtYmVyaW5nIjp7IiRpZCI6IjM0OCIsIkZvcm1hdCI6MCwiSXNWaXNpYmxlIjpmYWxzZSwiTGFzdEtub3duVmlzaWJpbGl0eVN0YXRlIjpmYWxzZX0sIklzVmlzaWJsZSI6dHJ1ZSwiUGFyZW50U3R5bGUiOm51bGx9LCJJbmRleCI6OSwiU21hcnREdXJhdGlvbkFjdGl2YXRlZCI6ZmFsc2UsIkRhdGVGb3JtYXQiOnsiJHJlZiI6IjU3In0sIldlZWtOdW1iZXJpbmciOnsiJGlkIjoiMzQ5IiwiRm9ybWF0IjowLCJJc1Zpc2libGUiOmZhbHNlLCJMYXN0S25vd25WaXNpYmlsaXR5U3RhdGUiOmZhbHNlfSwiSWQiOiI4YjM4NDM3Yi05NmFlLTQ3YzItYTg5ZS0yZjlhNDExYzhjMjgiLCJJbXBvcnRJZCI6bnVsbCwiVGl0bGUiOiJVcGRhdGUgQ2FyIiwiTm90ZSI6bnVsbCwiSHlwZXJsaW5rIjp7IiRpZCI6IjM1MCIsIkFkZHJlc3MiOiIiLCJTdWJBZGRyZXNzIjoiIn0sIklzQ2hhbmdlZCI6ZmFsc2UsIklzTmV3IjpmYWxzZX19XSwiX21pbGVzdG9uZXMiOltdLCJJZCI6IjAwMDAwMDAwLTAwMDAtMDAwMC0wMDAwLTAwMDAwMDAwMDAwMCIsIklzU2luZ2xlSXRlbVJvdyI6dHJ1ZX1dLCJJbmRleCI6MywiSWQiOiJkYzA3NmZjZC1kMWJlLTQyMDctYjVmOS0zODE1YjM4Y2Q5MWUiLCJIZWFkZXJUZXh0IjpudWxsLCJJc0RlZmF1bHQiOnRydWUsIlN0eWxlIjp7IiRpZCI6IjM1MSIsIkhlYWRlclN0eWxlIjp7IiRpZCI6IjM1MiIsIlRleHRTdHlsZSI6eyIkaWQiOiIzNTMiLCJGb250U2V0dGluZ3MiOnsiJGlkIjoiMzU0IiwiRm9udFNpemUiOjExLCJGb250TmFtZSI6IkNhbGlicmkiLCJJc0JvbGQiOmZhbHNlLCJJc0l0YWxpYyI6ZmFsc2UsIklzVW5kZXJsaW5lZCI6ZmFsc2UsIlBhcmVudFN0eWxlIjpudWxsfSwiQXV0b1NpemUiOjIsIkZvcmVncm91bmQiOnsiJGlkIjoiMzU1IiwiQ29sb3IiOnsiJGlkIjoiMzU2IiwiQSI6MjU1LCJSIjowLCJHIjowLCJCIjowfX0sIk1heFdpZHRoIjowLjAsIk1heEhlaWdodCI6IkluZmluaXR5IiwiU21hcnRGb3JlZ3JvdW5kSXNBY3RpdmUiOmZhbHNlLCJIb3Jpem9udGFsQWxpZ25tZW50IjowLCJWZXJ0aWNhbEFsaWdubWVudCI6MCwiU21hcnRGb3JlZ3JvdW5kIjpudWxsLCJCYWNrZ3JvdW5kRmlsbFR5cGUiOjAsIk1hcmdpbiI6eyIkaWQiOiIzNTciLCJUb3AiOjAuMCwiTGVmdCI6MC4wLCJSaWdodCI6MC4wLCJCb3R0b20iOjAuMH0sIlBhZGRpbmciOnsiJGlkIjoiMzU4IiwiVG9wIjowLjAsIkxlZnQiOjAuMCwiUmlnaHQiOjAuMCwiQm90dG9tIjowLjB9LCJCYWNrZ3JvdW5kIjpudWxsLCJJc1Zpc2libGUiOnRydWUsIldpZHRoIjowLjAsIkhlaWdodCI6MC4wLCJCb3JkZXJTdHlsZSI6bnVsbCwiUGFyZW50U3R5bGUiOm51bGx9LCJSZWN0YW5nbGVTdHlsZSI6eyIkaWQiOiIzNTkiLCJNYXJnaW4iOnsiJGlkIjoiMzYwIiwiVG9wIjowLjAsIkxlZnQiOjAuMCwiUmlnaHQiOjAuMCwiQm90dG9tIjowLjB9LCJQYWRkaW5nIjp7IiRpZCI6IjM2MSIsIlRvcCI6MC4wLCJMZWZ0IjowLjAsIlJpZ2h0IjowLjAsIkJvdHRvbSI6MC4wfSwiQmFja2dyb3VuZCI6eyIkaWQiOiIzNjIiLCJDb2xvciI6eyIkaWQiOiIzNjMiLCJBIjo2MywiUiI6MjM3LCJHIjoxMjUsIkIiOjQ5fX0sIklzVmlzaWJsZSI6dHJ1ZSwiV2lkdGgiOjAuMCwiSGVpZ2h0IjowLjAsIkJvcmRlclN0eWxlIjp7IiRpZCI6IjM2NCIsIkxpbmVDb2xvciI6eyIkaWQiOiIzNjUiLCIkdHlwZSI6Ik5MUkUuQ29tbW9uLkRvbS5Tb2xpZENvbG9yQnJ1c2gsIE5MUkUuQ29tbW9uIiwiQ29sb3IiOnsiJGlkIjoiMzY2IiwiQSI6MjU1LCJSIjoyNTUsIkciOjAsIkIiOjB9fSwiTGluZVdlaWdodCI6MC4wLCJMaW5lVHlwZSI6MCwiUGFyZW50U3R5bGUiOm51bGx9LCJQYXJlbnRTdHlsZSI6bnVsbH0sIk1hcmdpbiI6eyIkaWQiOiIzNjciLCJUb3AiOjAuMCwiTGVmdCI6MC4wLCJSaWdodCI6MC4wLCJCb3R0b20iOjAuMH0sIlBhZGRpbmciOnsiJGlkIjoiMzY4IiwiVG9wIjowLjAsIkxlZnQiOjAuMCwiUmlnaHQiOjAuMCwiQm90dG9tIjowLjB9LCJCYWNrZ3JvdW5kIjpudWxsLCJJc1Zpc2libGUiOnRydWUsIldpZHRoIjowLjAsIkhlaWdodCI6MC4wLCJCb3JkZXJTdHlsZSI6bnVsbCwiUGFyZW50U3R5bGUiOm51bGx9LCJCYWNrZ3JvdW5kU3R5bGUiOnsiJGlkIjoiMzY5IiwiTWFyZ2luIjp7IiRpZCI6IjM3MCIsIlRvcCI6MC4wLCJMZWZ0IjowLjAsIlJpZ2h0IjowLjAsIkJvdHRvbSI6MC4wfSwiUGFkZGluZyI6eyIkaWQiOiIzNzEiLCJUb3AiOjAuMCwiTGVmdCI6MC4wLCJSaWdodCI6MC4wLCJCb3R0b20iOjAuMH0sIkJhY2tncm91bmQiOnsiJGlkIjoiMzcyIiwiQ29sb3IiOnsiJGlkIjoiMzczIiwiQSI6NTEsIlIiOjE2NSwiRyI6MTY1LCJCIjoxNjV9fSwiSXNWaXNpYmxlIjp0cnVlLCJXaWR0aCI6MC4wLCJIZWlnaHQiOjAuMCwiQm9yZGVyU3R5bGUiOnsiJGlkIjoiMzc0IiwiTGluZUNvbG9yIjp7IiRpZCI6IjM3NSIsIiR0eXBlIjoiTkxSRS5Db21tb24uRG9tLlNvbGlkQ29sb3JCcnVzaCwgTkxSRS5Db21tb24iLCJDb2xvciI6eyIkaWQiOiIzNzYiLCJBIjoyNTUsIlIiOjI1NSwiRyI6MCwiQiI6MH19LCJMaW5lV2VpZ2h0IjowLjAsIkxpbmVUeXBlIjowLCJQYXJlbnRTdHlsZSI6bnVsbH0sIlBhcmVudFN0eWxlIjpudWxsfSwiTWFyZ2luIjp7IiRpZCI6IjM3NyIsIlRvcCI6MC4wLCJMZWZ0IjowLjAsIlJpZ2h0IjowLjAsIkJvdHRvbSI6MC4wfSwiUGFkZGluZyI6eyIkaWQiOiIzNzgiLCJUb3AiOjAuMCwiTGVmdCI6MC4wLCJSaWdodCI6MC4wLCJCb3R0b20iOjAuMH0sIklzVmlzaWJsZSI6ZmFsc2UsIldpZHRoIjowLjAsIkhlaWdodCI6MC4wLCJCb3JkZXJTdHlsZSI6bnVsbCwiUGFyZW50U3R5bGUiOm51bGx9fV0sIklkIjoiZTIwYWM2YzMtY2EwZi00NWRkLWJiNDktNWIxOGFiYTE4YTNkIiwiSW5kZXgiOjMsIkhlYWRlclRleHQiOiJBZG1pbiBGZWF0dXJlcyIsIlN0eWxlIjp7IiRpZCI6IjM3OSIsIkhlYWRlclN0eWxlIjp7IiRpZCI6IjM4MCIsIlRleHRJc1ZlcnRpY2FsIjpmYWxzZSwiVGV4dFN0eWxlIjp7IiRpZCI6IjM4MSIsIkZvbnRTZXR0aW5ncyI6eyIkaWQiOiIzODIiLCJGb250U2l6ZSI6MTIsIkZvbnROYW1lIjoiQ2FsaWJyaSIsIklzQm9sZCI6ZmFsc2UsIklzSXRhbGljIjpmYWxzZSwiSXNVbmRlcmxpbmVkIjpmYWxzZSwiUGFyZW50U3R5bGUiOm51bGx9LCJBdXRvU2l6ZSI6MiwiRm9yZWdyb3VuZCI6eyIkcmVmIjoiMTI2In0sIk1heFdpZHRoIjoxNjAuMCwiTWF4SGVpZ2h0IjoiSW5maW5pdHkiLCJTbWFydEZvcmVncm91bmRJc0FjdGl2ZSI6ZmFsc2UsIkhvcml6b250YWxBbGlnbm1lbnQiOjAsIlZlcnRpY2FsQWxpZ25tZW50IjowLCJTbWFydEZvcmVncm91bmQiOm51bGwsIkJhY2tncm91bmRGaWxsVHlwZSI6MCwiTWFyZ2luIjp7IiRyZWYiOiIxMjgifSwiUGFkZGluZyI6eyIkcmVmIjoiMTI5In0sIkJhY2tncm91bmQiOm51bGwsIklzVmlzaWJsZSI6dHJ1ZSwiV2lkdGgiOjAuMCwiSGVpZ2h0IjowLjAsIkJvcmRlclN0eWxlIjpudWxsLCJQYXJlbnRTdHlsZSI6bnVsbH0sIlJlY3RhbmdsZVN0eWxlIjp7IiRpZCI6IjM4MyIsIk1hcmdpbiI6eyIkaWQiOiIzODQiLCJUb3AiOjAuMCwiTGVmdCI6MC4wLCJSaWdodCI6MC4wLCJCb3R0b20iOjAuMH0sIlBhZGRpbmciOnsiJGlkIjoiMzg1IiwiVG9wIjowLjAsIkxlZnQiOjAuMCwiUmlnaHQiOjAuMCwiQm90dG9tIjowLjB9LCJCYWNrZ3JvdW5kIjp7IiRpZCI6IjM4NiIsIkNvbG9yIjp7IiRpZCI6IjM4NyIsIkEiOjI1NSwiUiI6MjM3LCJHIjoxMjUsIkIiOjQ5fX0sIklzVmlzaWJsZSI6dHJ1ZSwiV2lkdGgiOjAuMCwiSGVpZ2h0IjowLjAsIkJvcmRlclN0eWxlIjp7IiRpZCI6IjM4OCIsIkxpbmVDb2xvciI6eyIkaWQiOiIzODkiLCIkdHlwZSI6Ik5MUkUuQ29tbW9uLkRvbS5Tb2xpZENvbG9yQnJ1c2gsIE5MUkUuQ29tbW9uIiwiQ29sb3IiOnsiJGlkIjoiMzkwIiwiQSI6MjU1LCJSIjoyNTUsIkciOjAsIkIiOjB9fSwiTGluZVdlaWdodCI6MC4wLCJMaW5lVHlwZSI6MCwiUGFyZW50U3R5bGUiOm51bGx9LCJQYXJlbnRTdHlsZSI6bnVsbH0sIk1hcmdpbiI6eyIkaWQiOiIzOTEiLCJUb3AiOjAuMCwiTGVmdCI6MC4wLCJSaWdodCI6MC4wLCJCb3R0b20iOjAuMH0sIlBhZGRpbmciOnsiJGlkIjoiMzkyIiwiVG9wIjowLjAsIkxlZnQiOjAuMCwiUmlnaHQiOjAuMCwiQm90dG9tIjowLjB9LCJCYWNrZ3JvdW5kIjpudWxsLCJJc1Zpc2libGUiOnRydWUsIldpZHRoIjowLjAsIkhlaWdodCI6MC4wLCJCb3JkZXJTdHlsZSI6bnVsbCwiUGFyZW50U3R5bGUiOm51bGx9LCJCYWNrZ3JvdW5kU3R5bGUiOnsiJGlkIjoiMzkzIiwiTWFyZ2luIjp7IiRpZCI6IjM5NCIsIlRvcCI6MC4wLCJMZWZ0IjowLjAsIlJpZ2h0IjowLjAsIkJvdHRvbSI6MC4wfSwiUGFkZGluZyI6eyIkaWQiOiIzOTUiLCJUb3AiOjAuMCwiTGVmdCI6MC4wLCJSaWdodCI6MC4wLCJCb3R0b20iOjAuMH0sIkJhY2tncm91bmQiOnsiJGlkIjoiMzk2IiwiQ29sb3IiOnsiJGlkIjoiMzk3IiwiQSI6NTEsIlIiOjE2NSwiRyI6MTY1LCJCIjoxNjV9fSwiSXNWaXNpYmxlIjp0cnVlLCJXaWR0aCI6MC4wLCJIZWlnaHQiOjAuMCwiQm9yZGVyU3R5bGUiOnsiJGlkIjoiMzk4IiwiTGluZUNvbG9yIjp7IiRpZCI6IjM5OSIsIiR0eXBlIjoiTkxSRS5Db21tb24uRG9tLlNvbGlkQ29sb3JCcnVzaCwgTkxSRS5Db21tb24iLCJDb2xvciI6eyIkaWQiOiI0MDAiLCJBIjoyNTUsIlIiOjI1NSwiRyI6MCwiQiI6MH19LCJMaW5lV2VpZ2h0IjowLjAsIkxpbmVUeXBlIjowLCJQYXJlbnRTdHlsZSI6bnVsbH0sIlBhcmVudFN0eWxlIjpudWxsfSwiSXNBYm92ZVRpbWViYW5kIjpmYWxzZSwiTWFyZ2luIjp7IiRpZCI6IjQwMSIsIlRvcCI6MC4wLCJMZWZ0IjowLjAsIlJpZ2h0IjowLjAsIkJvdHRvbSI6MC4wfSwiUGFkZGluZyI6eyIkaWQiOiI0MDIiLCJUb3AiOjAuMCwiTGVmdCI6MC4wLCJSaWdodCI6MC4wLCJCb3R0b20iOjAuMH0sIklzVmlzaWJsZSI6dHJ1ZSwiV2lkdGgiOjAuMCwiSGVpZ2h0IjowLjAsIkJvcmRlclN0eWxlIjp7IiRpZCI6IjQwMyIsIkxpbmVDb2xvciI6bnVsbCwiTGluZVdlaWdodCI6MC4wLCJMaW5lVHlwZSI6MCwiUGFyZW50U3R5bGUiOm51bGx9LCJQYXJlbnRTdHlsZSI6bnVsbH19LHsiJGlkIjoiNDA0IiwiX2FjdGl2aXRpZXMiOlt7IiRpZCI6IjQwNSIsIl9yb3dzIjpbeyIkaWQiOiI0MDYiLCJfdGFza3MiOlt7IiRpZCI6IjQwNyIsIl9hdHRhY2hlZE1pbGVzdG9uZXMiOltdLCJUYXNrRGVmaW5pdGlvbiI6eyIkaWQiOiI0MDgiLCJHcm91cE5hbWUiOm51bGwsIlN0YXJ0RGF0ZSI6IjIwMjItMDUtMDZUMDA6MDA6MDBaIiwiRW5kRGF0ZSI6IjIwMjItMDUtMDhUMjM6NTk6MDBaIiwiUGVyY2VudGFnZUNvbXBsZXRlIjpudWxsLCJTdHlsZSI6eyIkaWQiOiI0MDkiLCJTaGFwZSI6MiwiU2hhcGVUaGlja25lc3MiOjEsIkR1cmF0aW9uRm9ybWF0IjowLCJJbmNsdWRlTm9uV29ya2luZ0RheXNJbkR1cmF0aW9uIjpmYWxzZSwiUGVyY2VudGFnZUNvbXBsZXRlU3R5bGUiOnsiJGlkIjoiNDEwIiwiRm9udFNldHRpbmdzIjp7IiRpZCI6IjQxMSIsIkZvbnRTaXplIjoxMCwiRm9udE5hbWUiOiJDYWxpYnJpIiwiSXNCb2xkIjpmYWxzZSwiSXNJdGFsaWMiOmZhbHNlLCJJc1VuZGVybGluZWQiOmZhbHNlLCJQYXJlbnRTdHlsZSI6bnVsbH0sIkF1dG9TaXplIjowLCJGb3JlZ3JvdW5kIjp7IiRyZWYiOiIxMCJ9LCJNYXhXaWR0aCI6MjAwLjAsIk1heEhlaWdodCI6IkluZmluaXR5IiwiU21hcnRGb3JlZ3JvdW5kSXNBY3RpdmUiOmZhbHNlLCJIb3Jpem9udGFsQWxpZ25tZW50IjowLCJWZXJ0aWNhbEFsaWdubWVudCI6MCwiU21hcnRGb3JlZ3JvdW5kIjpudWxsLCJCYWNrZ3JvdW5kRmlsbFR5cGUiOjAsIk1hcmdpbiI6eyIkcmVmIjoiMTIifSwiUGFkZGluZyI6eyIkcmVmIjoiMTMifSwiQmFja2dyb3VuZCI6eyIkcmVmIjoiMTQifSwiSXNWaXNpYmxlIjp0cnVlLCJXaWR0aCI6MC4wLCJIZWlnaHQiOjAuMCwiQm9yZGVyU3R5bGUiOnsiJGlkIjoiNDEyIiwiTGluZUNvbG9yIjpudWxsLCJMaW5lV2VpZ2h0IjowLjAsIkxpbmVUeXBlIjowLCJQYXJlbnRTdHlsZSI6bnVsbH0sIlBhcmVudFN0eWxlIjpudWxsfSwiRHVyYXRpb25TdHlsZSI6eyIkaWQiOiI0MTMiLCJGb250U2V0dGluZ3MiOnsiJGlkIjoiNDE0IiwiRm9udFNpemUiOjEwLCJGb250TmFtZSI6IkNhbGlicmkiLCJJc0JvbGQiOmZhbHNlLCJJc0l0YWxpYyI6ZmFsc2UsIklzVW5kZXJsaW5lZCI6ZmFsc2UsIlBhcmVudFN0eWxlIjpudWxsfSwiQXV0b1NpemUiOjAsIkZvcmVncm91bmQiOnsiJHJlZiI6IjE5In0sIk1heFdpZHRoIjoyMDAuMCwiTWF4SGVpZ2h0IjoiSW5maW5pdHkiLCJTbWFydEZvcmVncm91bmRJc0FjdGl2ZSI6ZmFsc2UsIkhvcml6b250YWxBbGlnbm1lbnQiOjAsIlZlcnRpY2FsQWxpZ25tZW50IjowLCJTbWFydEZvcmVncm91bmQiOm51bGwsIkJhY2tncm91bmRGaWxsVHlwZSI6MCwiTWFyZ2luIjp7IiRyZWYiOiIyMSJ9LCJQYWRkaW5nIjp7IiRyZWYiOiIyMiJ9LCJCYWNrZ3JvdW5kIjp7IiRyZWYiOiIyMyJ9LCJJc1Zpc2libGUiOnRydWUsIldpZHRoIjowLjAsIkhlaWdodCI6MC4wLCJCb3JkZXJTdHlsZSI6eyIkaWQiOiI0MTUiLCJMaW5lQ29sb3IiOm51bGwsIkxpbmVXZWlnaHQiOjAuMCwiTGluZVR5cGUiOjAsIlBhcmVudFN0eWxlIjpudWxsfSwiUGFyZW50U3R5bGUiOm51bGx9LCJIb3Jpem9udGFsQ29ubmVjdG9yU3R5bGUiOnsiJGlkIjoiNDE2IiwiTGluZUNvbG9yIjp7IiRyZWYiOiIyNiJ9LCJMaW5lV2VpZ2h0IjoxLjAsIkxpbmVUeXBlIjowLCJQYXJlbnRTdHlsZSI6bnVsbH0sIlZlcnRpY2FsQ29ubmVjdG9yU3R5bGUiOnsiJGlkIjoiNDE3IiwiTGluZUNvbG9yIjp7IiRyZWYiOiIyOSJ9LCJMaW5lV2VpZ2h0IjowLjAsIkxpbmVUeXBlIjowLCJQYXJlbnRTdHlsZSI6bnVsbH0sIk1hcmdpbiI6bnVsbCwiU3RhcnREYXRlUG9zaXRpb24iOjMsIkVuZERhdGVQb3NpdGlvbiI6NCwiRGF0ZUlzVmlzaWJsZSI6dHJ1ZSwiVGl0bGVQb3NpdGlvbiI6MiwiRHVyYXRpb25Qb3NpdGlvbiI6NiwiUGVyY2VudGFnZUNvbXBsZXRlZFBvc2l0aW9uIjo2LCJTcGFjaW5nIjo1LCJJc0JlbG93VGltZWJhbmQiOnRydWUsIlBlcmNlbnRhZ2VDb21wbGV0ZVNoYXBlT3BhY2l0eSI6MzUsIlNoYXBlU3R5bGUiOnsiJGlkIjoiNDE4IiwiTWFyZ2luIjp7IiRyZWYiOiIzMiJ9LCJQYWRkaW5nIjp7IiRyZWYiOiIzMyJ9LCJCYWNrZ3JvdW5kIjp7IiRpZCI6IjQxOSIsIkNvbG9yIjp7IiRpZCI6IjQyMCIsIkEiOjI1NSwiUiI6OTEsIkciOjE1NSwiQiI6MjEzfX0sIklzVmlzaWJsZSI6dHJ1ZSwiV2lkdGgiOjAuMCwiSGVpZ2h0IjoxNi4wLCJCb3JkZXJTdHlsZSI6eyIkaWQiOiI0MjEiLCJMaW5lQ29sb3IiOnsiJHJlZiI6IjM3In0sIkxpbmVXZWlnaHQiOjAuMCwiTGluZVR5cGUiOjAsIlBhcmVudFN0eWxlIjpudWxsfSwiUGFyZW50U3R5bGUiOm51bGx9LCJUaXRsZVN0eWxlIjp7IiRpZCI6IjQyMiIsIkZvbnRTZXR0aW5ncyI6eyIkaWQiOiI0MjMiLCJGb250U2l6ZSI6MTEsIkZvbnROYW1lIjoiQ2FsaWJyaSIsIklzQm9sZCI6dHJ1ZSwiSXNJdGFsaWMiOmZhbHNlLCJJc1VuZGVybGluZWQiOmZhbHNlLCJQYXJlbnRTdHlsZSI6bnVsbH0sIkF1dG9TaXplIjowLCJGb3JlZ3JvdW5kIjp7IiRpZCI6IjQyNCIsIkNvbG9yIjp7IiRpZCI6IjQyNSIsIkEiOjI1NSwiUiI6MCwiRyI6MCwiQiI6MH19LCJNYXhXaWR0aCI6NzIwLjAsIk1heEhlaWdodCI6IkluZmluaXR5IiwiU21hcnRGb3JlZ3JvdW5kSXNBY3RpdmUiOmZhbHNlLCJIb3Jpem9udGFsQWxpZ25tZW50IjoxLCJWZXJ0aWNhbEFsaWdubWVudCI6MCwiU21hcnRGb3JlZ3JvdW5kIjpudWxsLCJCYWNrZ3JvdW5kRmlsbFR5cGUiOjAsIk1hcmdpbiI6eyIkcmVmIjoiNDMifSwiUGFkZGluZyI6eyIkcmVmIjoiNDQifSwiQmFja2dyb3VuZCI6eyIkaWQiOiI0MjYiLCJDb2xvciI6eyIkaWQiOiI0MjciLCJBIjowLCJSIjoyNTUsIkciOjI1NSwiQiI6MjU1fX0sIklzVmlzaWJsZSI6dHJ1ZSwiV2lkdGgiOjAuMCwiSGVpZ2h0IjowLjAsIkJvcmRlclN0eWxlIjp7IiRpZCI6IjQyOCIsIkxpbmVDb2xvciI6bnVsbCwiTGluZVdlaWdodCI6MC4wLCJMaW5lVHlwZSI6MCwiUGFyZW50U3R5bGUiOm51bGx9LCJQYXJlbnRTdHlsZSI6bnVsbH0sIkRhdGVTdHlsZSI6eyIkaWQiOiI0MjkiLCJGb250U2V0dGluZ3MiOnsiJGlkIjoiNDMwIiwiRm9udFNpemUiOjEwLCJGb250TmFtZSI6IkNhbGlicmkiLCJJc0JvbGQiOmZhbHNlLCJJc0l0YWxpYyI6ZmFsc2UsIklzVW5kZXJsaW5lZCI6ZmFsc2UsIlBhcmVudFN0eWxlIjpudWxsfSwiQXV0b1NpemUiOjAsIkZvcmVncm91bmQiOnsiJGlkIjoiNDMxIiwiQ29sb3IiOnsiJGlkIjoiNDMyIiwiQSI6MjU1LCJSIjo2OCwiRyI6ODQsIkIiOjEwNn19LCJNYXhXaWR0aCI6MjAwLjAsIk1heEhlaWdodCI6IkluZmluaXR5IiwiU21hcnRGb3JlZ3JvdW5kSXNBY3RpdmUiOmZhbHNlLCJIb3Jpem9udGFsQWxpZ25tZW50IjoxLCJWZXJ0aWNhbEFsaWdubWVudCI6MCwiU21hcnRGb3JlZ3JvdW5kIjpudWxsLCJCYWNrZ3JvdW5kRmlsbFR5cGUiOjAsIk1hcmdpbiI6eyIkcmVmIjoiNTIifSwiUGFkZGluZyI6eyIkcmVmIjoiNTMifSwiQmFja2dyb3VuZCI6eyIkaWQiOiI0MzMiLCJDb2xvciI6eyIkaWQiOiI0MzQiLCJBIjowLCJSIjoyNTUsIkciOjI1NSwiQiI6MjU1fX0sIklzVmlzaWJsZSI6dHJ1ZSwiV2lkdGgiOjAuMCwiSGVpZ2h0IjowLjAsIkJvcmRlclN0eWxlIjp7IiRpZCI6IjQzNSIsIkxpbmVDb2xvciI6bnVsbCwiTGluZVdlaWdodCI6MC4wLCJMaW5lVHlwZSI6MCwiUGFyZW50U3R5bGUiOm51bGx9LCJQYXJlbnRTdHlsZSI6bnVsbH0sIkRhdGVGb3JtYXQiOnsiJHJlZiI6IjU3In0sIldlZWtOdW1iZXJpbmciOnsiJGlkIjoiNDM2IiwiRm9ybWF0IjowLCJJc1Zpc2libGUiOmZhbHNlLCJMYXN0S25vd25WaXNpYmlsaXR5U3RhdGUiOmZhbHNlfSwiSXNWaXNpYmxlIjp0cnVlLCJQYXJlbnRTdHlsZSI6bnVsbH0sIkluZGV4IjoxMSwiU21hcnREdXJhdGlvbkFjdGl2YXRlZCI6ZmFsc2UsIkRhdGVGb3JtYXQiOnsiJHJlZiI6IjU3In0sIldlZWtOdW1iZXJpbmciOnsiJGlkIjoiNDM3IiwiRm9ybWF0IjowLCJJc1Zpc2libGUiOmZhbHNlLCJMYXN0S25vd25WaXNpYmlsaXR5U3RhdGUiOmZhbHNlfSwiSWQiOiI0OTFhNWQ3Yy1kMmM5LTQyMmYtOWZhMy1jNmEzYjY2ZmEwZGIiLCJJbXBvcnRJZCI6bnVsbCwiVGl0bGUiOiJVc2VyIEhvbWUgUGFnZSIsIk5vdGUiOm51bGwsIkh5cGVybGluayI6eyIkaWQiOiI0MzgiLCJBZGRyZXNzIjoiIiwiU3ViQWRkcmVzcyI6IiJ9LCJJc0NoYW5nZWQiOmZhbHNlLCJJc05ldyI6ZmFsc2V9fV0sIl9taWxlc3RvbmVzIjpbXSwiSWQiOiIwMDAwMDAwMC0wMDAwLTAwMDAtMDAwMC0wMDAwMDAwMDAwMDAiLCJJc1NpbmdsZUl0ZW1Sb3ciOnRydWV9LHsiJGlkIjoiNDM5IiwiX3Rhc2tzIjpbeyIkaWQiOiI0NDAiLCJfYXR0YWNoZWRNaWxlc3RvbmVzIjpbXSwiVGFza0RlZmluaXRpb24iOnsiJGlkIjoiNDQxIiwiR3JvdXBOYW1lIjpudWxsLCJTdGFydERhdGUiOiIyMDIyLTA1LTA5VDAwOjAwOjAwWiIsIkVuZERhdGUiOiIyMDIyLTA1LTEzVDIzOjU5OjAwWiIsIlBlcmNlbnRhZ2VDb21wbGV0ZSI6bnVsbCwiU3R5bGUiOnsiJGlkIjoiNDQyIiwiU2hhcGUiOjIsIlNoYXBlVGhpY2tuZXNzIjoxLCJEdXJhdGlvbkZvcm1hdCI6MCwiSW5jbHVkZU5vbldvcmtpbmdEYXlzSW5EdXJhdGlvbiI6ZmFsc2UsIlBlcmNlbnRhZ2VDb21wbGV0ZVN0eWxlIjp7IiRpZCI6IjQ0MyIsIkZvbnRTZXR0aW5ncyI6eyIkaWQiOiI0NDQiLCJGb250U2l6ZSI6MTAsIkZvbnROYW1lIjoiQ2FsaWJyaSIsIklzQm9sZCI6ZmFsc2UsIklzSXRhbGljIjpmYWxzZSwiSXNVbmRlcmxpbmVkIjpmYWxzZSwiUGFyZW50U3R5bGUiOm51bGx9LCJBdXRvU2l6ZSI6MCwiRm9yZWdyb3VuZCI6eyIkcmVmIjoiMTAifSwiTWF4V2lkdGgiOjIwMC4wLCJNYXhIZWlnaHQiOiJJbmZpbml0eSIsIlNtYXJ0Rm9yZWdyb3VuZElzQWN0aXZlIjpmYWxzZSwiSG9yaXpvbnRhbEFsaWdubWVudCI6MCwiVmVydGljYWxBbGlnbm1lbnQiOjAsIlNtYXJ0Rm9yZWdyb3VuZCI6bnVsbCwiQmFja2dyb3VuZEZpbGxUeXBlIjowLCJNYXJnaW4iOnsiJHJlZiI6IjEyIn0sIlBhZGRpbmciOnsiJHJlZiI6IjEzIn0sIkJhY2tncm91bmQiOnsiJHJlZiI6IjE0In0sIklzVmlzaWJsZSI6dHJ1ZSwiV2lkdGgiOjAuMCwiSGVpZ2h0IjowLjAsIkJvcmRlclN0eWxlIjp7IiRpZCI6IjQ0NSIsIkxpbmVDb2xvciI6bnVsbCwiTGluZVdlaWdodCI6MC4wLCJMaW5lVHlwZSI6MCwiUGFyZW50U3R5bGUiOm51bGx9LCJQYXJlbnRTdHlsZSI6bnVsbH0sIkR1cmF0aW9uU3R5bGUiOnsiJGlkIjoiNDQ2IiwiRm9udFNldHRpbmdzIjp7IiRpZCI6IjQ0NyIsIkZvbnRTaXplIjoxMCwiRm9udE5hbWUiOiJDYWxpYnJpIiwiSXNCb2xkIjpmYWxzZSwiSXNJdGFsaWMiOmZhbHNlLCJJc1VuZGVybGluZWQiOmZhbHNlLCJQYXJlbnRTdHlsZSI6bnVsbH0sIkF1dG9TaXplIjowLCJGb3JlZ3JvdW5kIjp7IiRyZWYiOiIxOSJ9LCJNYXhXaWR0aCI6MjAwLjAsIk1heEhlaWdodCI6IkluZmluaXR5IiwiU21hcnRGb3JlZ3JvdW5kSXNBY3RpdmUiOmZhbHNlLCJIb3Jpem9udGFsQWxpZ25tZW50IjowLCJWZXJ0aWNhbEFsaWdubWVudCI6MCwiU21hcnRGb3JlZ3JvdW5kIjpudWxsLCJCYWNrZ3JvdW5kRmlsbFR5cGUiOjAsIk1hcmdpbiI6eyIkcmVmIjoiMjEifSwiUGFkZGluZyI6eyIkcmVmIjoiMjIifSwiQmFja2dyb3VuZCI6eyIkcmVmIjoiMjMifSwiSXNWaXNpYmxlIjp0cnVlLCJXaWR0aCI6MC4wLCJIZWlnaHQiOjAuMCwiQm9yZGVyU3R5bGUiOnsiJGlkIjoiNDQ4IiwiTGluZUNvbG9yIjpudWxsLCJMaW5lV2VpZ2h0IjowLjAsIkxpbmVUeXBlIjowLCJQYXJlbnRTdHlsZSI6bnVsbH0sIlBhcmVudFN0eWxlIjpudWxsfSwiSG9yaXpvbnRhbENvbm5lY3RvclN0eWxlIjp7IiRpZCI6IjQ0OSIsIkxpbmVDb2xvciI6eyIkcmVmIjoiMjYifSwiTGluZVdlaWdodCI6MS4wLCJMaW5lVHlwZSI6MCwiUGFyZW50U3R5bGUiOm51bGx9LCJWZXJ0aWNhbENvbm5lY3RvclN0eWxlIjp7IiRpZCI6IjQ1MCIsIkxpbmVDb2xvciI6eyIkcmVmIjoiMjkifSwiTGluZVdlaWdodCI6MC4wLCJMaW5lVHlwZSI6MCwiUGFyZW50U3R5bGUiOm51bGx9LCJNYXJnaW4iOm51bGwsIlN0YXJ0RGF0ZVBvc2l0aW9uIjozLCJFbmREYXRlUG9zaXRpb24iOjQsIkRhdGVJc1Zpc2libGUiOnRydWUsIlRpdGxlUG9zaXRpb24iOjIsIkR1cmF0aW9uUG9zaXRpb24iOjYsIlBlcmNlbnRhZ2VDb21wbGV0ZWRQb3NpdGlvbiI6NiwiU3BhY2luZyI6NSwiSXNCZWxvd1RpbWViYW5kIjp0cnVlLCJQZXJjZW50YWdlQ29tcGxldGVTaGFwZU9wYWNpdHkiOjM1LCJTaGFwZVN0eWxlIjp7IiRpZCI6IjQ1MSIsIk1hcmdpbiI6eyIkcmVmIjoiMzIifSwiUGFkZGluZyI6eyIkcmVmIjoiMzMifSwiQmFja2dyb3VuZCI6eyIkaWQiOiI0NTIiLCJDb2xvciI6eyIkaWQiOiI0NTMiLCJBIjoyNTUsIlIiOjkxLCJHIjoxNTUsIkIiOjIxM319LCJJc1Zpc2libGUiOnRydWUsIldpZHRoIjowLjAsIkhlaWdodCI6MTYuMCwiQm9yZGVyU3R5bGUiOnsiJGlkIjoiNDU0IiwiTGluZUNvbG9yIjp7IiRyZWYiOiIzNyJ9LCJMaW5lV2VpZ2h0IjowLjAsIkxpbmVUeXBlIjowLCJQYXJlbnRTdHlsZSI6bnVsbH0sIlBhcmVudFN0eWxlIjpudWxsfSwiVGl0bGVTdHlsZSI6eyIkaWQiOiI0NTUiLCJGb250U2V0dGluZ3MiOnsiJGlkIjoiNDU2IiwiRm9udFNpemUiOjExLCJGb250TmFtZSI6IkNhbGlicmkiLCJJc0JvbGQiOnRydWUsIklzSXRhbGljIjpmYWxzZSwiSXNVbmRlcmxpbmVkIjpmYWxzZSwiUGFyZW50U3R5bGUiOm51bGx9LCJBdXRvU2l6ZSI6MCwiRm9yZWdyb3VuZCI6eyIkaWQiOiI0NTciLCJDb2xvciI6eyIkaWQiOiI0NTgiLCJBIjoyNTUsIlIiOjAsIkciOjAsIkIiOjB9fSwiTWF4V2lkdGgiOjcyMC4wLCJNYXhIZWlnaHQiOiJJbmZpbml0eSIsIlNtYXJ0Rm9yZWdyb3VuZElzQWN0aXZlIjpmYWxzZSwiSG9yaXpvbnRhbEFsaWdubWVudCI6MSwiVmVydGljYWxBbGlnbm1lbnQiOjAsIlNtYXJ0Rm9yZWdyb3VuZCI6bnVsbCwiQmFja2dyb3VuZEZpbGxUeXBlIjowLCJNYXJnaW4iOnsiJHJlZiI6IjQzIn0sIlBhZGRpbmciOnsiJHJlZiI6IjQ0In0sIkJhY2tncm91bmQiOnsiJGlkIjoiNDU5IiwiQ29sb3IiOnsiJGlkIjoiNDYwIiwiQSI6MCwiUiI6MjU1LCJHIjoyNTUsIkIiOjI1NX19LCJJc1Zpc2libGUiOnRydWUsIldpZHRoIjowLjAsIkhlaWdodCI6MC4wLCJCb3JkZXJTdHlsZSI6eyIkaWQiOiI0NjEiLCJMaW5lQ29sb3IiOm51bGwsIkxpbmVXZWlnaHQiOjAuMCwiTGluZVR5cGUiOjAsIlBhcmVudFN0eWxlIjpudWxsfSwiUGFyZW50U3R5bGUiOm51bGx9LCJEYXRlU3R5bGUiOnsiJGlkIjoiNDYyIiwiRm9udFNldHRpbmdzIjp7IiRpZCI6IjQ2MyIsIkZvbnRTaXplIjoxMCwiRm9udE5hbWUiOiJDYWxpYnJpIiwiSXNCb2xkIjpmYWxzZSwiSXNJdGFsaWMiOmZhbHNlLCJJc1VuZGVybGluZWQiOmZhbHNlLCJQYXJlbnRTdHlsZSI6bnVsbH0sIkF1dG9TaXplIjowLCJGb3JlZ3JvdW5kIjp7IiRpZCI6IjQ2NCIsIkNvbG9yIjp7IiRpZCI6IjQ2NSIsIkEiOjI1NSwiUiI6NjgsIkciOjg0LCJCIjoxMDZ9fSwiTWF4V2lkdGgiOjIwMC4wLCJNYXhIZWlnaHQiOiJJbmZpbml0eSIsIlNtYXJ0Rm9yZWdyb3VuZElzQWN0aXZlIjpmYWxzZSwiSG9yaXpvbnRhbEFsaWdubWVudCI6MSwiVmVydGljYWxBbGlnbm1lbnQiOjAsIlNtYXJ0Rm9yZWdyb3VuZCI6bnVsbCwiQmFja2dyb3VuZEZpbGxUeXBlIjowLCJNYXJnaW4iOnsiJHJlZiI6IjUyIn0sIlBhZGRpbmciOnsiJHJlZiI6IjUzIn0sIkJhY2tncm91bmQiOnsiJGlkIjoiNDY2IiwiQ29sb3IiOnsiJGlkIjoiNDY3IiwiQSI6MCwiUiI6MjU1LCJHIjoyNTUsIkIiOjI1NX19LCJJc1Zpc2libGUiOnRydWUsIldpZHRoIjowLjAsIkhlaWdodCI6MC4wLCJCb3JkZXJTdHlsZSI6eyIkaWQiOiI0NjgiLCJMaW5lQ29sb3IiOm51bGwsIkxpbmVXZWlnaHQiOjAuMCwiTGluZVR5cGUiOjAsIlBhcmVudFN0eWxlIjpudWxsfSwiUGFyZW50U3R5bGUiOm51bGx9LCJEYXRlRm9ybWF0Ijp7IiRyZWYiOiI1NyJ9LCJXZWVrTnVtYmVyaW5nIjp7IiRpZCI6IjQ2OSIsIkZvcm1hdCI6MCwiSXNWaXNpYmxlIjpmYWxzZSwiTGFzdEtub3duVmlzaWJpbGl0eVN0YXRlIjpmYWxzZX0sIklzVmlzaWJsZSI6dHJ1ZSwiUGFyZW50U3R5bGUiOm51bGx9LCJJbmRleCI6MTIsIlNtYXJ0RHVyYXRpb25BY3RpdmF0ZWQiOmZhbHNlLCJEYXRlRm9ybWF0Ijp7IiRyZWYiOiI1NyJ9LCJXZWVrTnVtYmVyaW5nIjp7IiRpZCI6IjQ3MCIsIkZvcm1hdCI6MCwiSXNWaXNpYmxlIjpmYWxzZSwiTGFzdEtub3duVmlzaWJpbGl0eVN0YXRlIjpmYWxzZX0sIklkIjoiMTk2ZTQ2MWYtYTNiOS00YmVkLThiYzUtNmRjOTllNjc2ZGViIiwiSW1wb3J0SWQiOm51bGwsIlRpdGxlIjoiQ2FyIFJlc2VydmF0aW9uIiwiTm90ZSI6bnVsbCwiSHlwZXJsaW5rIjp7IiRpZCI6IjQ3MSIsIkFkZHJlc3MiOiIiLCJTdWJBZGRyZXNzIjoiIn0sIklzQ2hhbmdlZCI6ZmFsc2UsIklzTmV3IjpmYWxzZX19XSwiX21pbGVzdG9uZXMiOltdLCJJZCI6IjAwMDAwMDAwLTAwMDAtMDAwMC0wMDAwLTAwMDAwMDAwMDAwMCIsIklzU2luZ2xlSXRlbVJvdyI6dHJ1ZX1dLCJJbmRleCI6MTAsIklkIjoiMmU2Y2QxM2ItOTkzNC00NTNmLTk1NjktYzA0ZTVlNjVhNmViIiwiSGVhZGVyVGV4dCI6bnVsbCwiSXNEZWZhdWx0Ijp0cnVlLCJTdHlsZSI6eyIkaWQiOiI0NzIiLCJIZWFkZXJTdHlsZSI6eyIkaWQiOiI0NzMiLCJUZXh0U3R5bGUiOnsiJGlkIjoiNDc0IiwiRm9udFNldHRpbmdzIjp7IiRpZCI6IjQ3NSIsIkZvbnRTaXplIjoxMSwiRm9udE5hbWUiOiJDYWxpYnJpIiwiSXNCb2xkIjpmYWxzZSwiSXNJdGFsaWMiOmZhbHNlLCJJc1VuZGVybGluZWQiOmZhbHNlLCJQYXJlbnRTdHlsZSI6bnVsbH0sIkF1dG9TaXplIjoyLCJGb3JlZ3JvdW5kIjp7IiRpZCI6IjQ3NiIsIkNvbG9yIjp7IiRpZCI6IjQ3NyIsIkEiOjI1NSwiUiI6MCwiRyI6MCwiQiI6MH19LCJNYXhXaWR0aCI6MC4wLCJNYXhIZWlnaHQiOiJJbmZpbml0eSIsIlNtYXJ0Rm9yZWdyb3VuZElzQWN0aXZlIjpmYWxzZSwiSG9yaXpvbnRhbEFsaWdubWVudCI6MCwiVmVydGljYWxBbGlnbm1lbnQiOjAsIlNtYXJ0Rm9yZWdyb3VuZCI6bnVsbCwiQmFja2dyb3VuZEZpbGxUeXBlIjowLCJNYXJnaW4iOnsiJGlkIjoiNDc4IiwiVG9wIjowLjAsIkxlZnQiOjAuMCwiUmlnaHQiOjAuMCwiQm90dG9tIjowLjB9LCJQYWRkaW5nIjp7IiRpZCI6IjQ3OSIsIlRvcCI6MC4wLCJMZWZ0IjowLjAsIlJpZ2h0IjowLjAsIkJvdHRvbSI6MC4wfSwiQmFja2dyb3VuZCI6bnVsbCwiSXNWaXNpYmxlIjp0cnVlLCJXaWR0aCI6MC4wLCJIZWlnaHQiOjAuMCwiQm9yZGVyU3R5bGUiOm51bGwsIlBhcmVudFN0eWxlIjpudWxsfSwiUmVjdGFuZ2xlU3R5bGUiOnsiJGlkIjoiNDgwIiwiTWFyZ2luIjp7IiRpZCI6IjQ4MSIsIlRvcCI6MC4wLCJMZWZ0IjowLjAsIlJpZ2h0IjowLjAsIkJvdHRvbSI6MC4wfSwiUGFkZGluZyI6eyIkaWQiOiI0ODIiLCJUb3AiOjAuMCwiTGVmdCI6MC4wLCJSaWdodCI6MC4wLCJCb3R0b20iOjAuMH0sIkJhY2tncm91bmQiOnsiJGlkIjoiNDgzIiwiQ29sb3IiOnsiJGlkIjoiNDg0IiwiQSI6NjMsIlIiOjE2NSwiRyI6MTY1LCJCIjoxNjV9fSwiSXNWaXNpYmxlIjp0cnVlLCJXaWR0aCI6MC4wLCJIZWlnaHQiOjAuMCwiQm9yZGVyU3R5bGUiOnsiJGlkIjoiNDg1IiwiTGluZUNvbG9yIjp7IiRpZCI6IjQ4NiIsIiR0eXBlIjoiTkxSRS5Db21tb24uRG9tLlNvbGlkQ29sb3JCcnVzaCwgTkxSRS5Db21tb24iLCJDb2xvciI6eyIkaWQiOiI0ODciLCJBIjoyNTUsIlIiOjI1NSwiRyI6MCwiQiI6MH19LCJMaW5lV2VpZ2h0IjowLjAsIkxpbmVUeXBlIjowLCJQYXJlbnRTdHlsZSI6bnVsbH0sIlBhcmVudFN0eWxlIjpudWxsfSwiTWFyZ2luIjp7IiRpZCI6IjQ4OCIsIlRvcCI6MC4wLCJMZWZ0IjowLjAsIlJpZ2h0IjowLjAsIkJvdHRvbSI6MC4wfSwiUGFkZGluZyI6eyIkaWQiOiI0ODkiLCJUb3AiOjAuMCwiTGVmdCI6MC4wLCJSaWdodCI6MC4wLCJCb3R0b20iOjAuMH0sIkJhY2tncm91bmQiOm51bGwsIklzVmlzaWJsZSI6dHJ1ZSwiV2lkdGgiOjAuMCwiSGVpZ2h0IjowLjAsIkJvcmRlclN0eWxlIjpudWxsLCJQYXJlbnRTdHlsZSI6bnVsbH0sIkJhY2tncm91bmRTdHlsZSI6eyIkaWQiOiI0OTAiLCJNYXJnaW4iOnsiJGlkIjoiNDkxIiwiVG9wIjowLjAsIkxlZnQiOjAuMCwiUmlnaHQiOjAuMCwiQm90dG9tIjowLjB9LCJQYWRkaW5nIjp7IiRpZCI6IjQ5MiIsIlRvcCI6MC4wLCJMZWZ0IjowLjAsIlJpZ2h0IjowLjAsIkJvdHRvbSI6MC4wfSwiQmFja2dyb3VuZCI6eyIkaWQiOiI0OTMiLCJDb2xvciI6eyIkaWQiOiI0OTQiLCJBIjo1MSwiUiI6MTY1LCJHIjoxNjUsIkIiOjE2NX19LCJJc1Zpc2libGUiOnRydWUsIldpZHRoIjowLjAsIkhlaWdodCI6MC4wLCJCb3JkZXJTdHlsZSI6eyIkaWQiOiI0OTUiLCJMaW5lQ29sb3IiOnsiJGlkIjoiNDk2IiwiJHR5cGUiOiJOTFJFLkNvbW1vbi5Eb20uU29saWRDb2xvckJydXNoLCBOTFJFLkNvbW1vbiIsIkNvbG9yIjp7IiRpZCI6IjQ5NyIsIkEiOjI1NSwiUiI6MjU1LCJHIjowLCJCIjowfX0sIkxpbmVXZWlnaHQiOjAuMCwiTGluZVR5cGUiOjAsIlBhcmVudFN0eWxlIjpudWxsfSwiUGFyZW50U3R5bGUiOm51bGx9LCJNYXJnaW4iOnsiJGlkIjoiNDk4IiwiVG9wIjowLjAsIkxlZnQiOjAuMCwiUmlnaHQiOjAuMCwiQm90dG9tIjowLjB9LCJQYWRkaW5nIjp7IiRpZCI6IjQ5OSIsIlRvcCI6MC4wLCJMZWZ0IjowLjAsIlJpZ2h0IjowLjAsIkJvdHRvbSI6MC4wfSwiSXNWaXNpYmxlIjpmYWxzZSwiV2lkdGgiOjAuMCwiSGVpZ2h0IjowLjAsIkJvcmRlclN0eWxlIjpudWxsLCJQYXJlbnRTdHlsZSI6bnVsbH19XSwiSWQiOiJmODM4MTRkNC1kYjVmLTQ0NDYtYTY4Ni1iZjY4MDZhN2ZlYzkiLCJJbmRleCI6MTAsIkhlYWRlclRleHQiOiJVc2VyIEZlYXR1cmVzIiwiU3R5bGUiOnsiJGlkIjoiNTAwIiwiSGVhZGVyU3R5bGUiOnsiJGlkIjoiNTAxIiwiVGV4dElzVmVydGljYWwiOmZhbHNlLCJUZXh0U3R5bGUiOnsiJGlkIjoiNTAyIiwiRm9udFNldHRpbmdzIjp7IiRpZCI6IjUwMyIsIkZvbnRTaXplIjoxMiwiRm9udE5hbWUiOiJDYWxpYnJpIiwiSXNCb2xkIjpmYWxzZSwiSXNJdGFsaWMiOmZhbHNlLCJJc1VuZGVybGluZWQiOmZhbHNlLCJQYXJlbnRTdHlsZSI6bnVsbH0sIkF1dG9TaXplIjoyLCJGb3JlZ3JvdW5kIjp7IiRyZWYiOiIxMjYifSwiTWF4V2lkdGgiOjE2MC4wLCJNYXhIZWlnaHQiOiJJbmZpbml0eSIsIlNtYXJ0Rm9yZWdyb3VuZElzQWN0aXZlIjpmYWxzZSwiSG9yaXpvbnRhbEFsaWdubWVudCI6MCwiVmVydGljYWxBbGlnbm1lbnQiOjAsIlNtYXJ0Rm9yZWdyb3VuZCI6bnVsbCwiQmFja2dyb3VuZEZpbGxUeXBlIjowLCJNYXJnaW4iOnsiJHJlZiI6IjEyOCJ9LCJQYWRkaW5nIjp7IiRyZWYiOiIxMjkifSwiQmFja2dyb3VuZCI6bnVsbCwiSXNWaXNpYmxlIjp0cnVlLCJXaWR0aCI6MC4wLCJIZWlnaHQiOjAuMCwiQm9yZGVyU3R5bGUiOm51bGwsIlBhcmVudFN0eWxlIjpudWxsfSwiUmVjdGFuZ2xlU3R5bGUiOnsiJGlkIjoiNTA0IiwiTWFyZ2luIjp7IiRpZCI6IjUwNSIsIlRvcCI6MC4wLCJMZWZ0IjowLjAsIlJpZ2h0IjowLjAsIkJvdHRvbSI6MC4wfSwiUGFkZGluZyI6eyIkaWQiOiI1MDYiLCJUb3AiOjAuMCwiTGVmdCI6MC4wLCJSaWdodCI6MC4wLCJCb3R0b20iOjAuMH0sIkJhY2tncm91bmQiOnsiJGlkIjoiNTA3IiwiQ29sb3IiOnsiJGlkIjoiNTA4IiwiQSI6MjU1LCJSIjoxNjUsIkciOjE2NSwiQiI6MTY1fX0sIklzVmlzaWJsZSI6dHJ1ZSwiV2lkdGgiOjAuMCwiSGVpZ2h0IjowLjAsIkJvcmRlclN0eWxlIjp7IiRpZCI6IjUwOSIsIkxpbmVDb2xvciI6eyIkaWQiOiI1MTAiLCIkdHlwZSI6Ik5MUkUuQ29tbW9uLkRvbS5Tb2xpZENvbG9yQnJ1c2gsIE5MUkUuQ29tbW9uIiwiQ29sb3IiOnsiJGlkIjoiNTExIiwiQSI6MjU1LCJSIjoyNTUsIkciOjAsIkIiOjB9fSwiTGluZVdlaWdodCI6MC4wLCJMaW5lVHlwZSI6MCwiUGFyZW50U3R5bGUiOm51bGx9LCJQYXJlbnRTdHlsZSI6bnVsbH0sIk1hcmdpbiI6eyIkaWQiOiI1MTIiLCJUb3AiOjAuMCwiTGVmdCI6MC4wLCJSaWdodCI6MC4wLCJCb3R0b20iOjAuMH0sIlBhZGRpbmciOnsiJGlkIjoiNTEzIiwiVG9wIjowLjAsIkxlZnQiOjAuMCwiUmlnaHQiOjAuMCwiQm90dG9tIjowLjB9LCJCYWNrZ3JvdW5kIjpudWxsLCJJc1Zpc2libGUiOnRydWUsIldpZHRoIjowLjAsIkhlaWdodCI6MC4wLCJCb3JkZXJTdHlsZSI6bnVsbCwiUGFyZW50U3R5bGUiOm51bGx9LCJCYWNrZ3JvdW5kU3R5bGUiOnsiJGlkIjoiNTE0IiwiTWFyZ2luIjp7IiRpZCI6IjUxNSIsIlRvcCI6MC4wLCJMZWZ0IjowLjAsIlJpZ2h0IjowLjAsIkJvdHRvbSI6MC4wfSwiUGFkZGluZyI6eyIkaWQiOiI1MTYiLCJUb3AiOjAuMCwiTGVmdCI6MC4wLCJSaWdodCI6MC4wLCJCb3R0b20iOjAuMH0sIkJhY2tncm91bmQiOnsiJGlkIjoiNTE3IiwiQ29sb3IiOnsiJGlkIjoiNTE4IiwiQSI6NTEsIlIiOjE2NSwiRyI6MTY1LCJCIjoxNjV9fSwiSXNWaXNpYmxlIjp0cnVlLCJXaWR0aCI6MC4wLCJIZWlnaHQiOjAuMCwiQm9yZGVyU3R5bGUiOnsiJGlkIjoiNTE5IiwiTGluZUNvbG9yIjp7IiRpZCI6IjUyMCIsIiR0eXBlIjoiTkxSRS5Db21tb24uRG9tLlNvbGlkQ29sb3JCcnVzaCwgTkxSRS5Db21tb24iLCJDb2xvciI6eyIkaWQiOiI1MjEiLCJBIjoyNTUsIlIiOjI1NSwiRyI6MCwiQiI6MH19LCJMaW5lV2VpZ2h0IjowLjAsIkxpbmVUeXBlIjowLCJQYXJlbnRTdHlsZSI6bnVsbH0sIlBhcmVudFN0eWxlIjpudWxsfSwiSXNBYm92ZVRpbWViYW5kIjpmYWxzZSwiTWFyZ2luIjp7IiRpZCI6IjUyMiIsIlRvcCI6MC4wLCJMZWZ0IjowLjAsIlJpZ2h0IjowLjAsIkJvdHRvbSI6MC4wfSwiUGFkZGluZyI6eyIkaWQiOiI1MjMiLCJUb3AiOjAuMCwiTGVmdCI6MC4wLCJSaWdodCI6MC4wLCJCb3R0b20iOjAuMH0sIklzVmlzaWJsZSI6dHJ1ZSwiV2lkdGgiOjAuMCwiSGVpZ2h0IjowLjAsIkJvcmRlclN0eWxlIjp7IiRpZCI6IjUyNCIsIkxpbmVDb2xvciI6bnVsbCwiTGluZVdlaWdodCI6MC4wLCJMaW5lVHlwZSI6MCwiUGFyZW50U3R5bGUiOm51bGx9LCJQYXJlbnRTdHlsZSI6bnVsbH19XSwiQ3VsdHVyZUluZm9OYW1lIjoiZW4tVVMiLCJTdHlsZU5hbWUiOm51bGwsIlZlcnNpb24iOnsiJGlkIjoiNTI1IiwiVmVyc2lvbiI6IjMuNi4xIiwiT3JpZ2luYWxBc3NlbWJseVZlcnNpb24iOiI2LjA2LjAyLjAwIiwiRWRpdGlvbiI6bnVsbCwiTGFzdFNhdmVkRWRpdGlvbiI6MCwiSXNQbHVzRWRpdGlvbiI6ZmFsc2UsIklzUHJvRWRpdGlvbiI6ZmFsc2V9LCJFZmZlY3QiOjEsIlN0eWxlIjp7IiRpZCI6IjUyNiIsIlRpbWViYW5kU3R5bGUiOnsiJGlkIjoiNTI3IiwiU2NhbGVNYXJraW5nIjowLCJTaGFwZSI6MCwiU2hhcGVTdHlsZSI6eyIkaWQiOiI1MjgiLCJNYXJnaW4iOnsiJGlkIjoiNTI5IiwiVG9wIjowLjAsIkxlZnQiOjEwLjAsIlJpZ2h0IjoxMC4wLCJCb3R0b20iOjAuMH0sIlBhZGRpbmciOnsiJGlkIjoiNTMwIiwiVG9wIjo1LjAsIkxlZnQiOjEzLjAsIlJpZ2h0IjoxMy4wLCJCb3R0b20iOjUuMH0sIkJhY2tncm91bmQiOnsiJGlkIjoiNTMxIiwiQ29sb3IiOnsiJGlkIjoiNTMyIiwiQSI6MjU1LCJSIjo2OCwiRyI6ODQsIkIiOjEwNn19LCJJc1Zpc2libGUiOnRydWUsIldpZHRoIjo4NTguMCwiSGVpZ2h0IjozMC4wLCJCb3JkZXJTdHlsZSI6eyIkaWQiOiI1MzMiLCJMaW5lQ29sb3IiOnsiJGlkIjoiNTM0IiwiJHR5cGUiOiJOTFJFLkNvbW1vbi5Eb20uU29saWRDb2xvckJydXNoLCBOTFJFLkNvbW1vbiIsIkNvbG9yIjp7IiRpZCI6IjUzNSIsIkEiOjI1NSwiUiI6MjU1LCJHIjowLCJCIjowfX0sIkxpbmVXZWlnaHQiOjAuMCwiTGluZVR5cGUiOjAsIlBhcmVudFN0eWxlIjpudWxsfSwiUGFyZW50U3R5bGUiOm51bGx9LCJNaWRkbGVUaWVyU2hhcGVTdHlsZSI6eyIkaWQiOiI1MzYiLCJNYXJnaW4iOnsiJGlkIjoiNTM3IiwiVG9wIjowLjAsIkxlZnQiOjEwLjAsIlJpZ2h0IjoxMC4wLCJCb3R0b20iOjAuMH0sIlBhZGRpbmciOnsiJGlkIjoiNTM4IiwiVG9wIjo1LjAsIkxlZnQiOjEzLjAsIlJpZ2h0IjoxMy4wLCJCb3R0b20iOjUuMH0sIkJhY2tncm91bmQiOnsiJGlkIjoiNTM5IiwiQ29sb3IiOnsiJGlkIjoiNTQwIiwiQSI6MjU1LCJSIjo2OCwiRyI6ODQsIkIiOjEwNn19LCJJc1Zpc2libGUiOnRydWUsIldpZHRoIjo4NTguMCwiSGVpZ2h0IjozMC4wLCJCb3JkZXJTdHlsZSI6eyIkaWQiOiI1NDEiLCJMaW5lQ29sb3IiOnsiJGlkIjoiNTQyIiwiJHR5cGUiOiJOTFJFLkNvbW1vbi5Eb20uU29saWRDb2xvckJydXNoLCBOTFJFLkNvbW1vbiIsIkNvbG9yIjp7IiRpZCI6IjU0MyIsIkEiOjI1NSwiUiI6MjU1LCJHIjowLCJCIjowfX0sIkxpbmVXZWlnaHQiOjAuMCwiTGluZVR5cGUiOjAsIlBhcmVudFN0eWxlIjpudWxsfSwiUGFyZW50U3R5bGUiOm51bGx9LCJCb3R0b21UaWVyU2hhcGVTdHlsZSI6eyIkaWQiOiI1NDQiLCJNYXJnaW4iOnsiJGlkIjoiNTQ1IiwiVG9wIjowLjAsIkxlZnQiOjEwLjAsIlJpZ2h0IjoxMC4wLCJCb3R0b20iOjAuMH0sIlBhZGRpbmciOnsiJGlkIjoiNTQ2IiwiVG9wIjo1LjAsIkxlZnQiOjEzLjAsIlJpZ2h0IjoxMy4wLCJCb3R0b20iOjUuMH0sIkJhY2tncm91bmQiOnsiJGlkIjoiNTQ3IiwiQ29sb3IiOnsiJGlkIjoiNTQ4IiwiQSI6MjU1LCJSIjo2OCwiRyI6ODQsIkIiOjEwNn19LCJJc1Zpc2libGUiOnRydWUsIldpZHRoIjo4NTguMCwiSGVpZ2h0IjozMC4wLCJCb3JkZXJTdHlsZSI6eyIkaWQiOiI1NDkiLCJMaW5lQ29sb3IiOnsiJGlkIjoiNTUwIiwiJHR5cGUiOiJOTFJFLkNvbW1vbi5Eb20uU29saWRDb2xvckJydXNoLCBOTFJFLkNvbW1vbiIsIkNvbG9yIjp7IiRpZCI6IjU1MSIsIkEiOjI1NSwiUiI6MjU1LCJHIjowLCJCIjowfX0sIkxpbmVXZWlnaHQiOjAuMCwiTGluZVR5cGUiOjAsIlBhcmVudFN0eWxlIjpudWxsfSwiUGFyZW50U3R5bGUiOm51bGx9LCJSaWdodEVuZENhcHNTdHlsZSI6eyIkaWQiOiI1NTIiLCJGb250U2V0dGluZ3MiOnsiJGlkIjoiNTUzIiwiRm9udFNpemUiOjE4LCJGb250TmFtZSI6IkNhbGlicmkiLCJJc0JvbGQiOnRydWUsIklzSXRhbGljIjpmYWxzZSwiSXNVbmRlcmxpbmVkIjpmYWxzZSwiUGFyZW50U3R5bGUiOm51bGx9LCJBdXRvU2l6ZSI6MCwiRm9yZWdyb3VuZCI6eyIkaWQiOiI1NTQiLCJDb2xvciI6eyIkaWQiOiI1NTUiLCJBIjoyNTUsIlIiOjIzNywiRyI6MTI1LCJCIjo0OX19LCJNYXhXaWR0aCI6IkluZmluaXR5IiwiTWF4SGVpZ2h0IjoiSW5maW5pdHkiLCJTbWFydEZvcmVncm91bmRJc0FjdGl2ZSI6ZmFsc2UsIkhvcml6b250YWxBbGlnbm1lbnQiOjAsIlZlcnRpY2FsQWxpZ25tZW50IjowLCJTbWFydEZvcmVncm91bmQiOm51bGwsIkJhY2tncm91bmRGaWxsVHlwZSI6MCwiTWFyZ2luIjp7IiRpZCI6IjU1NiIsIlRvcCI6MC4wLCJMZWZ0IjowLjAsIlJpZ2h0IjoyMC4wLCJCb3R0b20iOjAuMH0sIlBhZGRpbmciOnsiJGlkIjoiNTU3IiwiVG9wIjowLjAsIkxlZnQiOjAuMCwiUmlnaHQiOjAuMCwiQm90dG9tIjowLjB9LCJCYWNrZ3JvdW5kIjp7IiRpZCI6IjU1OCIsIkNvbG9yIjp7IiRyZWYiOiIxNSJ9fSwiSXNWaXNpYmxlIjp0cnVlLCJXaWR0aCI6MC4wLCJIZWlnaHQiOjAuMCwiQm9yZGVyU3R5bGUiOm51bGwsIlBhcmVudFN0eWxlIjpudWxsfSwiTGVmdEVuZENhcHNTdHlsZSI6eyIkaWQiOiI1NTkiLCJGb250U2V0dGluZ3MiOnsiJGlkIjoiNTYwIiwiRm9udFNpemUiOjE4LCJGb250TmFtZSI6IkNhbGlicmkiLCJJc0JvbGQiOnRydWUsIklzSXRhbGljIjpmYWxzZSwiSXNVbmRlcmxpbmVkIjpmYWxzZSwiUGFyZW50U3R5bGUiOm51bGx9LCJBdXRvU2l6ZSI6MCwiRm9yZWdyb3VuZCI6eyIkaWQiOiI1NjEiLCJDb2xvciI6eyIkaWQiOiI1NjIiLCJBIjoyNTUsIlIiOjIzNywiRyI6MTI1LCJCIjo0OX19LCJNYXhXaWR0aCI6IkluZmluaXR5IiwiTWF4SGVpZ2h0IjoiSW5maW5pdHkiLCJTbWFydEZvcmVncm91bmRJc0FjdGl2ZSI6ZmFsc2UsIkhvcml6b250YWxBbGlnbm1lbnQiOjAsIlZlcnRpY2FsQWxpZ25tZW50IjowLCJTbWFydEZvcmVncm91bmQiOm51bGwsIkJhY2tncm91bmRGaWxsVHlwZSI6MCwiTWFyZ2luIjp7IiRpZCI6IjU2MyIsIlRvcCI6MC4wLCJMZWZ0IjoxMTUuNTA2NjY2NjY2NjY2NjYsIlJpZ2h0IjowLjAsIkJvdHRvbSI6MC4wfSwiUGFkZGluZyI6eyIkaWQiOiI1NjQiLCJUb3AiOjAuMCwiTGVmdCI6MC4wLCJSaWdodCI6MC4wLCJCb3R0b20iOjAuMH0sIkJhY2tncm91bmQiOnsiJGlkIjoiNTY1IiwiQ29sb3IiOnsiJHJlZiI6IjE1In19LCJJc1Zpc2libGUiOmZhbHNlLCJXaWR0aCI6MC4wLCJIZWlnaHQiOjAuMCwiQm9yZGVyU3R5bGUiOm51bGwsIlBhcmVudFN0eWxlIjpudWxsfSwiVG9kYXlUZXh0U3R5bGUiOnsiJGlkIjoiNTY2IiwiRm9udFNldHRpbmdzIjp7IiRpZCI6IjU2NyIsIkZvbnRTaXplIjoxMiwiRm9udE5hbWUiOiJDYWxpYnJpIiwiSXNCb2xkIjpmYWxzZSwiSXNJdGFsaWMiOmZhbHNlLCJJc1VuZGVybGluZWQiOmZhbHNlLCJQYXJlbnRTdHlsZSI6bnVsbH0sIkF1dG9TaXplIjowLCJGb3JlZ3JvdW5kIjp7IiRpZCI6IjU2OCIsIkNvbG9yIjp7IiRpZCI6IjU2OSIsIkEiOjI1NSwiUiI6MCwiRyI6MCwiQiI6MH19LCJNYXhXaWR0aCI6MjAwLjAsIk1heEhlaWdodCI6IkluZmluaXR5IiwiU21hcnRGb3JlZ3JvdW5kSXNBY3RpdmUiOmZhbHNlLCJIb3Jpem9udGFsQWxpZ25tZW50IjowLCJWZXJ0aWNhbEFsaWdubWVudCI6MCwiU21hcnRGb3JlZ3JvdW5kIjpudWxsLCJCYWNrZ3JvdW5kRmlsbFR5cGUiOjAsIk1hcmdpbiI6eyIkaWQiOiI1NzAiLCJUb3AiOjAuMCwiTGVmdCI6MC4wLCJSaWdodCI6MC4wLCJCb3R0b20iOjAuMH0sIlBhZGRpbmciOnsiJGlkIjoiNTcxIiwiVG9wIjowLjAsIkxlZnQiOjAuMCwiUmlnaHQiOjAuMCwiQm90dG9tIjowLjB9LCJCYWNrZ3JvdW5kIjp7IiRpZCI6IjU3MiIsIkNvbG9yIjp7IiRyZWYiOiIxNSJ9fSwiSXNWaXNpYmxlIjp0cnVlLCJXaWR0aCI6MC4wLCJIZWlnaHQiOjAuMCwiQm9yZGVyU3R5bGUiOm51bGwsIlBhcmVudFN0eWxlIjpudWxsfSwiVG9kYXlNYXJrZXJTdHlsZSI6eyIkaWQiOiI1NzMiLCJNYXJnaW4iOnsiJGlkIjoiNTc0IiwiVG9wIjowLjAsIkxlZnQiOjAuMCwiUmlnaHQiOjAuMCwiQm90dG9tIjowLjB9LCJQYWRkaW5nIjp7IiRpZCI6IjU3NSIsIlRvcCI6MC4wLCJMZWZ0IjowLjAsIlJpZ2h0IjowLjAsIkJvdHRvbSI6MC4wfSwiQmFja2dyb3VuZCI6eyIkaWQiOiI1NzYiLCJDb2xvciI6eyIkaWQiOiI1NzciLCJBIjoyNTUsIlIiOjI1NSwiRyI6MCwiQiI6MH19LCJJc1Zpc2libGUiOnRydWUsIldpZHRoIjowLjAsIkhlaWdodCI6MC4wLCJCb3JkZXJTdHlsZSI6bnVsbCwiUGFyZW50U3R5bGUiOm51bGx9LCJTY2FsZVN0eWxlIjp7IiRpZCI6IjU3OCIsIlNoYXBlIjo0LCJTaG93U2VnbWVudFNlcGFyYXRvcnMiOnRydWUsIlNlZ21lbnRTZXBhcmF0b3JPcGFjaXR5IjozMCwiSGFzQmVlblZpc2libGVCZWZvcmUiOnRydWUsIkZvbnRTZXR0aW5ncyI6eyIkaWQiOiI1NzkiLCJGb250U2l6ZSI6MTIsIkZvbnROYW1lIjoiQ2FsaWJyaSIsIklzQm9sZCI6ZmFsc2UsIklzSXRhbGljIjpmYWxzZSwiSXNVbmRlcmxpbmVkIjpmYWxzZSwiUGFyZW50U3R5bGUiOm51bGx9LCJBdXRvU2l6ZSI6MCwiRm9yZWdyb3VuZCI6eyIkaWQiOiI1ODAiLCJDb2xvciI6eyIkaWQiOiI1ODEiLCJBIjoyNTUsIlIiOjI1NSwiRyI6MjU1LCJCIjoyNTV9fSwiTWF4V2lkdGgiOjIwMC4wLCJNYXhIZWlnaHQiOiJJbmZpbml0eSIsIlNtYXJ0Rm9yZWdyb3VuZElzQWN0aXZlIjpmYWxzZSwiSG9yaXpvbnRhbEFsaWdubWVudCI6MCwiVmVydGljYWxBbGlnbm1lbnQiOjEsIlNtYXJ0Rm9yZWdyb3VuZCI6bnVsbCwiQmFja2dyb3VuZEZpbGxUeXBlIjowLCJNYXJnaW4iOnsiJGlkIjoiNTgyIiwiVG9wIjowLjAsIkxlZnQiOjUuMCwiUmlnaHQiOjAuMCwiQm90dG9tIjowLjB9LCJQYWRkaW5nIjp7IiRpZCI6IjU4MyIsIlRvcCI6MC4wLCJMZWZ0IjowLjAsIlJpZ2h0IjowLjAsIkJvdHRvbSI6MC4wfSwiQmFja2dyb3VuZCI6eyIkaWQiOiI1ODQiLCJDb2xvciI6eyIkcmVmIjoiMTUifX0sIklzVmlzaWJsZSI6dHJ1ZSwiV2lkdGgiOjAuMCwiSGVpZ2h0IjowLjAsIkJvcmRlclN0eWxlIjpudWxsLCJQYXJlbnRTdHlsZSI6bnVsbH0sIlNpbmdsZVNjYWxlU2hhcGVTdHlsZSI6eyIkaWQiOiI1ODUiLCJTaGFwZSI6MCwiSGVpZ2h0IjowLjB9LCJNaWRkbGVUaWVyU2NhbGVTdHlsZSI6eyIkaWQiOiI1ODYiLCJTaGFwZSI6NCwiU2hvd1NlZ21lbnRTZXBhcmF0b3JzIjp0cnVlLCJTZWdtZW50U2VwYXJhdG9yT3BhY2l0eSI6MzAsIkhhc0JlZW5WaXNpYmxlQmVmb3JlIjpmYWxzZSwiRm9udFNldHRpbmdzIjp7IiRpZCI6IjU4NyIsIkZvbnRTaXplIjoxMiwiRm9udE5hbWUiOiJDYWxpYnJpIiwiSXNCb2xkIjpmYWxzZSwiSXNJdGFsaWMiOmZhbHNlLCJJc1VuZGVybGluZWQiOmZhbHNlLCJQYXJlbnRTdHlsZSI6bnVsbH0sIkF1dG9TaXplIjowLCJGb3JlZ3JvdW5kIjp7IiRpZCI6IjU4OCIsIkNvbG9yIjp7IiRpZCI6IjU4OSIsIkEiOjI1NSwiUiI6MjU1LCJHIjoyNTUsIkIiOjI1NX19LCJNYXhXaWR0aCI6MjAwLjAsIk1heEhlaWdodCI6IkluZmluaXR5IiwiU21hcnRGb3JlZ3JvdW5kSXNBY3RpdmUiOmZhbHNlLCJIb3Jpem9udGFsQWxpZ25tZW50IjowLCJWZXJ0aWNhbEFsaWdubWVudCI6MSwiU21hcnRGb3JlZ3JvdW5kIjpudWxsLCJCYWNrZ3JvdW5kRmlsbFR5cGUiOjAsIk1hcmdpbiI6eyIkaWQiOiI1OTAiLCJUb3AiOjAuMCwiTGVmdCI6NS4wLCJSaWdodCI6MC4wLCJCb3R0b20iOjAuMH0sIlBhZGRpbmciOnsiJGlkIjoiNTkxIiwiVG9wIjowLjAsIkxlZnQiOjAuMCwiUmlnaHQiOjAuMCwiQm90dG9tIjowLjB9LCJCYWNrZ3JvdW5kIjp7IiRpZCI6IjU5MiIsIkNvbG9yIjp7IiRpZCI6IjU5MyIsIkEiOjAsIlIiOjAsIkciOjAsIkIiOjB9fSwiSXNWaXNpYmxlIjpmYWxzZSwiV2lkdGgiOjAuMCwiSGVpZ2h0IjowLjAsIkJvcmRlclN0eWxlIjpudWxsLCJQYXJlbnRTdHlsZSI6bnVsbH0sIkJvdHRvbVRpZXJTY2FsZVN0eWxlIjp7IiRpZCI6IjU5NCIsIlNoYXBlIjo0LCJTaG93U2VnbWVudFNlcGFyYXRvcnMiOnRydWUsIlNlZ21lbnRTZXBhcmF0b3JPcGFjaXR5IjozMCwiSGFzQmVlblZpc2libGVCZWZvcmUiOmZhbHNlLCJGb250U2V0dGluZ3MiOnsiJGlkIjoiNTk1IiwiRm9udFNpemUiOjEyLCJGb250TmFtZSI6IkNhbGlicmkiLCJJc0JvbGQiOmZhbHNlLCJJc0l0YWxpYyI6ZmFsc2UsIklzVW5kZXJsaW5lZCI6ZmFsc2UsIlBhcmVudFN0eWxlIjpudWxsfSwiQXV0b1NpemUiOjAsIkZvcmVncm91bmQiOnsiJGlkIjoiNTk2IiwiQ29sb3IiOnsiJGlkIjoiNTk3IiwiQSI6MjU1LCJSIjoyNTUsIkciOjI1NSwiQiI6MjU1fX0sIk1heFdpZHRoIjoyMDAuMCwiTWF4SGVpZ2h0IjoiSW5maW5pdHkiLCJTbWFydEZvcmVncm91bmRJc0FjdGl2ZSI6ZmFsc2UsIkhvcml6b250YWxBbGlnbm1lbnQiOjAsIlZlcnRpY2FsQWxpZ25tZW50IjoxLCJTbWFydEZvcmVncm91bmQiOm51bGwsIkJhY2tncm91bmRGaWxsVHlwZSI6MCwiTWFyZ2luIjp7IiRpZCI6IjU5OCIsIlRvcCI6MC4wLCJMZWZ0Ijo1LjAsIlJpZ2h0IjowLjAsIkJvdHRvbSI6MC4wfSwiUGFkZGluZyI6eyIkaWQiOiI1OTkiLCJUb3AiOjAuMCwiTGVmdCI6MC4wLCJSaWdodCI6MC4wLCJCb3R0b20iOjAuMH0sIkJhY2tncm91bmQiOnsiJGlkIjoiNjAwIiwiQ29sb3IiOnsiJGlkIjoiNjAxIiwiQSI6MCwiUiI6MCwiRyI6MCwiQiI6MH19LCJJc1Zpc2libGUiOmZhbHNlLCJXaWR0aCI6MC4wLCJIZWlnaHQiOjAuMCwiQm9yZGVyU3R5bGUiOm51bGwsIlBhcmVudFN0eWxlIjpudWxsfSwiRWxhcHNlZFRpbWVCYWNrZ3JvdW5kIjp7IiRpZCI6IjYwMiIsIkNvbG9yIjp7IiRpZCI6IjYwMyIsIkEiOjc3LCJSIjoyNTUsIkciOjAsIkIiOjB9fSwiQXBwZW5kWWVhck9uWWVhckNoYW5nZSI6dHJ1ZSwiRWxhcHNlZFRpbWVGb3JtYXQiOjEsIlRvZGF5TWFya2VyUG9zaXRpb24iOjMsIlF1aWNrUG9zaXRpb24iOjMsIkFic29sdXRlUG9zaXRpb24iOjI0MC4wLCJNYXJnaW4iOnsiJGlkIjoiNjA0IiwiVG9wIjowLjAsIkxlZnQiOjEwLjAsIlJpZ2h0IjoxMC4wLCJCb3R0b20iOjAuMH0sIlBhZGRpbmciOnsiJGlkIjoiNjA1IiwiVG9wIjowLjAsIkxlZnQiOjAuMCwiUmlnaHQiOjAuMCwiQm90dG9tIjowLjB9LCJCYWNrZ3JvdW5kIjp7IiRpZCI6IjYwNiIsIkNvbG9yIjp7IiRpZCI6IjYwNyIsIkEiOjI1NSwiUiI6MTE1LCJHIjoxMTUsIkIiOjExNX19LCJJc1Zpc2libGUiOnRydWUsIldpZHRoIjowLjAsIkhlaWdodCI6MC4wLCJCb3JkZXJTdHlsZSI6bnVsbCwiUGFyZW50U3R5bGUiOm51bGx9LCJEZWZhdWx0TWlsZXN0b25lU3R5bGUiOnsiJGlkIjoiNjA4IiwiU2hhcGUiOjAsIkNvbm5lY3Rvck1hcmdpbiI6eyIkaWQiOiI2MDkiLCJUb3AiOjAuMCwiTGVmdCI6Mi4wLCJSaWdodCI6Mi4wLCJCb3R0b20iOjAuMH0sIkNvbm5lY3RvclN0eWxlIjp7IiRpZCI6IjYxMCIsIkxpbmVDb2xvciI6eyIkaWQiOiI2MTEiLCIkdHlwZSI6Ik5MUkUuQ29tbW9uLkRvbS5Tb2xpZENvbG9yQnJ1c2gsIE5MUkUuQ29tbW9uIiwiQ29sb3IiOnsiJGlkIjoiNjEyIiwiQSI6MTI3LCJSIjozMSwiRyI6NzMsIkIiOjEyNn19LCJMaW5lV2VpZ2h0IjoxLjAsIkxpbmVUeXBlIjowLCJQYXJlbnRTdHlsZSI6bnVsbH0sIklzQmVsb3dUaW1lYmFuZCI6ZmFsc2UsIlBvc2l0aW9uT25UYXNrIjowLCJIaWRlRGF0ZSI6ZmFsc2UsIlNoYXBlU2l6ZSI6MSwiU3BhY2luZyI6Mi4wLCJQYWRkaW5nIjp7IiRpZCI6IjYxMyIsIlRvcCI6Ny4wLCJMZWZ0IjozLjAsIlJpZ2h0IjowLjAsIkJvdHRvbSI6Mi4wfSwiU2hhcGVTdHlsZSI6eyIkaWQiOiI2MTQiLCJNYXJnaW4iOnsiJGlkIjoiNjE1IiwiVG9wIjowLjAsIkxlZnQiOjAuMCwiUmlnaHQiOjAuMCwiQm90dG9tIjowLjB9LCJQYWRkaW5nIjp7IiRpZCI6IjYxNiIsIlRvcCI6MC4wLCJMZWZ0IjowLjAsIlJpZ2h0IjowLjAsIkJvdHRvbSI6MC4wfSwiQmFja2dyb3VuZCI6eyIkaWQiOiI2MTciLCJDb2xvciI6eyIkaWQiOiI2MTgiLCJBIjoyNTUsIlIiOjAsIkciOjExNCwiQiI6MTg4fX0sIklzVmlzaWJsZSI6dHJ1ZSwiV2lkdGgiOjE4LjAsIkhlaWdodCI6MjAuMCwiQm9yZGVyU3R5bGUiOnsiJGlkIjoiNjE5IiwiTGluZUNvbG9yIjp7IiRpZCI6IjYyMCIsIiR0eXBlIjoiTkxSRS5Db21tb24uRG9tLlNvbGlkQ29sb3JCcnVzaCwgTkxSRS5Db21tb24iLCJDb2xvciI6eyIkaWQiOiI2MjEiLCJBIjoyNTUsIlIiOjI1NSwiRyI6MCwiQiI6MH19LCJMaW5lV2VpZ2h0IjowLjAsIkxpbmVUeXBlIjowLCJQYXJlbnRTdHlsZSI6bnVsbH0sIlBhcmVudFN0eWxlIjpudWxsfSwiVGl0bGVTdHlsZSI6eyIkaWQiOiI2MjIiLCJGb250U2V0dGluZ3MiOnsiJGlkIjoiNjIzIiwiRm9udFNpemUiOjExLCJGb250TmFtZSI6IkNhbGlicmkiLCJJc0JvbGQiOnRydWUsIklzSXRhbGljIjpmYWxzZSwiSXNVbmRlcmxpbmVkIjpmYWxzZSwiUGFyZW50U3R5bGUiOm51bGx9LCJBdXRvU2l6ZSI6MCwiRm9yZWdyb3VuZCI6eyIkaWQiOiI2MjQiLCJDb2xvciI6eyIkaWQiOiI2MjUiLCJBIjoyNTUsIlIiOjAsIkciOjAsIkIiOjB9fSwiTWF4V2lkdGgiOjIwMC4wLCJNYXhIZWlnaHQiOiJJbmZpbml0eSIsIlNtYXJ0Rm9yZWdyb3VuZElzQWN0aXZlIjpmYWxzZSwiSG9yaXpvbnRhbEFsaWdubWVudCI6MSwiVmVydGljYWxBbGlnbm1lbnQiOjAsIlNtYXJ0Rm9yZWdyb3VuZCI6bnVsbCwiQmFja2dyb3VuZEZpbGxUeXBlIjowLCJNYXJnaW4iOnsiJGlkIjoiNjI2IiwiVG9wIjowLjAsIkxlZnQiOjAuMCwiUmlnaHQiOjAuMCwiQm90dG9tIjowLjB9LCJQYWRkaW5nIjp7IiRpZCI6IjYyNyIsIlRvcCI6MC4wLCJMZWZ0IjowLjAsIlJpZ2h0IjowLjAsIkJvdHRvbSI6MC4wfSwiQmFja2dyb3VuZCI6eyIkaWQiOiI2MjgiLCJDb2xvciI6eyIkcmVmIjoiMTUifX0sIklzVmlzaWJsZSI6dHJ1ZSwiV2lkdGgiOjAuMCwiSGVpZ2h0IjowLjAsIkJvcmRlclN0eWxlIjpudWxsLCJQYXJlbnRTdHlsZSI6bnVsbH0sIkRhdGVTdHlsZSI6eyIkaWQiOiI2MjkiLCJGb250U2V0dGluZ3MiOnsiJGlkIjoiNjMwIiwiRm9udFNpemUiOjEwLCJGb250TmFtZSI6IkNhbGlicmkiLCJJc0JvbGQiOmZhbHNlLCJJc0l0YWxpYyI6ZmFsc2UsIklzVW5kZXJsaW5lZCI6ZmFsc2UsIlBhcmVudFN0eWxlIjpudWxsfSwiQXV0b1NpemUiOjAsIkZvcmVncm91bmQiOnsiJGlkIjoiNjMxIiwiQ29sb3IiOnsiJGlkIjoiNjMyIiwiQSI6MjU1LCJSIjo2OCwiRyI6ODQsIkIiOjEwNn19LCJNYXhXaWR0aCI6MjAwLjAsIk1heEhlaWdodCI6IkluZmluaXR5IiwiU21hcnRGb3JlZ3JvdW5kSXNBY3RpdmUiOmZhbHNlLCJIb3Jpem9udGFsQWxpZ25tZW50IjowLCJWZXJ0aWNhbEFsaWdubWVudCI6MCwiU21hcnRGb3JlZ3JvdW5kIjpudWxsLCJCYWNrZ3JvdW5kRmlsbFR5cGUiOjAsIk1hcmdpbiI6eyIkaWQiOiI2MzMiLCJUb3AiOjAuMCwiTGVmdCI6MC4wLCJSaWdodCI6MC4wLCJCb3R0b20iOjAuMH0sIlBhZGRpbmciOnsiJGlkIjoiNjM0IiwiVG9wIjowLjAsIkxlZnQiOjAuMCwiUmlnaHQiOjAuMCwiQm90dG9tIjowLjB9LCJCYWNrZ3JvdW5kIjp7IiRpZCI6IjYzNSIsIkNvbG9yIjp7IiRyZWYiOiIxNSJ9fSwiSXNWaXNpYmxlIjp0cnVlLCJXaWR0aCI6MC4wLCJIZWlnaHQiOjAuMCwiQm9yZGVyU3R5bGUiOm51bGwsIlBhcmVudFN0eWxlIjpudWxsfSwiRGF0ZUZvcm1hdCI6eyIkaWQiOiI2MzYiLCJGb3JtYXRTdHJpbmciOiJNTU0gZCIsIlNlcGFyYXRvciI6Ii8iLCJVc2VJbnRlcm5hdGlvbmFsRGF0ZUZvcm1hdCI6ZmFsc2UsIkRhdGVJc1Zpc2libGUiOnRydWUsIlRpbWVJc1Zpc2libGUiOmZhbHNlLCJIb3VyRGlnaXRzIjoxLCJBbVBtRGVzaWduYXRvciI6MiwiVHJpbTAwTWludXRlcyI6ZmFsc2UsIkxhc3RLbm93blZpc2liaWxpdHlTdGF0ZSI6bnVsbH0sIldlZWtOdW1iZXJpbmciOnsiJGlkIjoiNjM3IiwiRm9ybWF0IjowLCJJc1Zpc2libGUiOmZhbHNlLCJMYXN0S25vd25WaXNpYmlsaXR5U3RhdGUiOmZhbHNlfSwiSXNWaXNpYmxlIjp0cnVlLCJQYXJlbnRTdHlsZSI6bnVsbH0sIkRlZmF1bHRUYXNrU3R5bGUiOnsiJGlkIjoiNjM4IiwiU2hhcGUiOjIsIlNoYXBlVGhpY2tuZXNzIjoxLCJEdXJhdGlvbkZvcm1hdCI6MCwiSW5jbHVkZU5vbldvcmtpbmdEYXlzSW5EdXJhdGlvbiI6ZmFsc2UsIlBlcmNlbnRhZ2VDb21wbGV0ZVN0eWxlIjp7IiRpZCI6IjYzOSIsIkZvbnRTZXR0aW5ncyI6eyIkaWQiOiI2NDAiLCJGb250U2l6ZSI6MTAsIkZvbnROYW1lIjoiQ2FsaWJyaSIsIklzQm9sZCI6ZmFsc2UsIklzSXRhbGljIjpmYWxzZSwiSXNVbmRlcmxpbmVkIjpmYWxzZSwiUGFyZW50U3R5bGUiOm51bGx9LCJBdXRvU2l6ZSI6MCwiRm9yZWdyb3VuZCI6eyIkcmVmIjoiMTAifSwiTWF4V2lkdGgiOjIwMC4wLCJNYXhIZWlnaHQiOiJJbmZpbml0eSIsIlNtYXJ0Rm9yZWdyb3VuZElzQWN0aXZlIjpmYWxzZSwiSG9yaXpvbnRhbEFsaWdubWVudCI6MCwiVmVydGljYWxBbGlnbm1lbnQiOjAsIlNtYXJ0Rm9yZWdyb3VuZCI6bnVsbCwiQmFja2dyb3VuZEZpbGxUeXBlIjowLCJNYXJnaW4iOnsiJHJlZiI6IjEyIn0sIlBhZGRpbmciOnsiJHJlZiI6IjEzIn0sIkJhY2tncm91bmQiOnsiJHJlZiI6IjE0In0sIklzVmlzaWJsZSI6dHJ1ZSwiV2lkdGgiOjAuMCwiSGVpZ2h0IjowLjAsIkJvcmRlclN0eWxlIjpudWxsLCJQYXJlbnRTdHlsZSI6bnVsbH0sIkR1cmF0aW9uU3R5bGUiOnsiJGlkIjoiNjQxIiwiRm9udFNldHRpbmdzIjp7IiRpZCI6IjY0MiIsIkZvbnRTaXplIjoxMCwiRm9udE5hbWUiOiJDYWxpYnJpIiwiSXNCb2xkIjpmYWxzZSwiSXNJdGFsaWMiOmZhbHNlLCJJc1VuZGVybGluZWQiOmZhbHNlLCJQYXJlbnRTdHlsZSI6bnVsbH0sIkF1dG9TaXplIjowLCJGb3JlZ3JvdW5kIjp7IiRyZWYiOiIxOSJ9LCJNYXhXaWR0aCI6MjAwLjAsIk1heEhlaWdodCI6IkluZmluaXR5IiwiU21hcnRGb3JlZ3JvdW5kSXNBY3RpdmUiOmZhbHNlLCJIb3Jpem9udGFsQWxpZ25tZW50IjowLCJWZXJ0aWNhbEFsaWdubWVudCI6MCwiU21hcnRGb3JlZ3JvdW5kIjpudWxsLCJCYWNrZ3JvdW5kRmlsbFR5cGUiOjAsIk1hcmdpbiI6eyIkcmVmIjoiMjEifSwiUGFkZGluZyI6eyIkcmVmIjoiMjIifSwiQmFja2dyb3VuZCI6eyIkcmVmIjoiMjMifSwiSXNWaXNpYmxlIjp0cnVlLCJXaWR0aCI6MC4wLCJIZWlnaHQiOjAuMCwiQm9yZGVyU3R5bGUiOm51bGwsIlBhcmVudFN0eWxlIjpudWxsfSwiSG9yaXpvbnRhbENvbm5lY3RvclN0eWxlIjp7IiRpZCI6IjY0MyIsIkxpbmVDb2xvciI6eyIkcmVmIjoiMjYifSwiTGluZVdlaWdodCI6MS4wLCJMaW5lVHlwZSI6MCwiUGFyZW50U3R5bGUiOm51bGx9LCJWZXJ0aWNhbENvbm5lY3RvclN0eWxlIjp7IiRpZCI6IjY0NCIsIkxpbmVDb2xvciI6eyIkcmVmIjoiMjkifSwiTGluZVdlaWdodCI6MC4wLCJMaW5lVHlwZSI6MCwiUGFyZW50U3R5bGUiOm51bGx9LCJNYXJnaW4iOm51bGwsIlN0YXJ0RGF0ZVBvc2l0aW9uIjozLCJFbmREYXRlUG9zaXRpb24iOjQsIkRhdGVJc1Zpc2libGUiOnRydWUsIlRpdGxlUG9zaXRpb24iOjIsIkR1cmF0aW9uUG9zaXRpb24iOjYsIlBlcmNlbnRhZ2VDb21wbGV0ZWRQb3NpdGlvbiI6NiwiU3BhY2luZyI6NSwiSXNCZWxvd1RpbWViYW5kIjp0cnVlLCJQZXJjZW50YWdlQ29tcGxldGVTaGFwZU9wYWNpdHkiOjM1LCJTaGFwZVN0eWxlIjp7IiRpZCI6IjY0NSIsIk1hcmdpbiI6eyIkcmVmIjoiMzIifSwiUGFkZGluZyI6eyIkcmVmIjoiMzMifSwiQmFja2dyb3VuZCI6eyIkaWQiOiI2NDYiLCJDb2xvciI6eyIkaWQiOiI2NDciLCJBIjoyNTUsIlIiOjAsIkciOjExNCwiQiI6MTg4fX0sIklzVmlzaWJsZSI6dHJ1ZSwiV2lkdGgiOjAuMCwiSGVpZ2h0IjoxNi4wLCJCb3JkZXJTdHlsZSI6eyIkaWQiOiI2NDgiLCJMaW5lQ29sb3IiOnsiJGlkIjoiNjQ5IiwiJHR5cGUiOiJOTFJFLkNvbW1vbi5Eb20uU29saWRDb2xvckJydXNoLCBOTFJFLkNvbW1vbiIsIkNvbG9yIjp7IiRpZCI6IjY1MCIsIkEiOjI1NSwiUiI6MjU1LCJHIjowLCJCIjowfX0sIkxpbmVXZWlnaHQiOjAuMCwiTGluZVR5cGUiOjAsIlBhcmVudFN0eWxlIjpudWxsfSwiUGFyZW50U3R5bGUiOm51bGx9LCJUaXRsZVN0eWxlIjp7IiRpZCI6IjY1MSIsIkZvbnRTZXR0aW5ncyI6eyIkaWQiOiI2NTIiLCJGb250U2l6ZSI6MTEsIkZvbnROYW1lIjoiQ2FsaWJyaSIsIklzQm9sZCI6dHJ1ZSwiSXNJdGFsaWMiOmZhbHNlLCJJc1VuZGVybGluZWQiOmZhbHNlLCJQYXJlbnRTdHlsZSI6bnVsbH0sIkF1dG9TaXplIjowLCJGb3JlZ3JvdW5kIjp7IiRpZCI6IjY1MyIsIkNvbG9yIjp7IiRpZCI6IjY1NCIsIkEiOjI1NSwiUiI6MCwiRyI6MCwiQiI6MH19LCJNYXhXaWR0aCI6OTYwLjAsIk1heEhlaWdodCI6IkluZmluaXR5IiwiU21hcnRGb3JlZ3JvdW5kSXNBY3RpdmUiOmZhbHNlLCJIb3Jpem9udGFsQWxpZ25tZW50IjoxLCJWZXJ0aWNhbEFsaWdubWVudCI6MCwiU21hcnRGb3JlZ3JvdW5kIjpudWxsLCJCYWNrZ3JvdW5kRmlsbFR5cGUiOjAsIk1hcmdpbiI6eyIkcmVmIjoiNDMifSwiUGFkZGluZyI6eyIkcmVmIjoiNDQifSwiQmFja2dyb3VuZCI6eyIkaWQiOiI2NTUiLCJDb2xvciI6eyIkcmVmIjoiMTUifX0sIklzVmlzaWJsZSI6dHJ1ZSwiV2lkdGgiOjAuMCwiSGVpZ2h0IjowLjAsIkJvcmRlclN0eWxlIjpudWxsLCJQYXJlbnRTdHlsZSI6bnVsbH0sIkRhdGVTdHlsZSI6eyIkaWQiOiI2NTYiLCJGb250U2V0dGluZ3MiOnsiJGlkIjoiNjU3IiwiRm9udFNpemUiOjEwLCJGb250TmFtZSI6IkNhbGlicmkiLCJJc0JvbGQiOmZhbHNlLCJJc0l0YWxpYyI6ZmFsc2UsIklzVW5kZXJsaW5lZCI6ZmFsc2UsIlBhcmVudFN0eWxlIjpudWxsfSwiQXV0b1NpemUiOjAsIkZvcmVncm91bmQiOnsiJGlkIjoiNjU4IiwiQ29sb3IiOnsiJGlkIjoiNjU5IiwiQSI6MjU1LCJSIjo2OCwiRyI6ODQsIkIiOjEwNn19LCJNYXhXaWR0aCI6MjAwLjAsIk1heEhlaWdodCI6IkluZmluaXR5IiwiU21hcnRGb3JlZ3JvdW5kSXNBY3RpdmUiOmZhbHNlLCJIb3Jpem9udGFsQWxpZ25tZW50IjoxLCJWZXJ0aWNhbEFsaWdubWVudCI6MCwiU21hcnRGb3JlZ3JvdW5kIjpudWxsLCJCYWNrZ3JvdW5kRmlsbFR5cGUiOjAsIk1hcmdpbiI6eyIkcmVmIjoiNTIifSwiUGFkZGluZyI6eyIkcmVmIjoiNTMifSwiQmFja2dyb3VuZCI6eyIkaWQiOiI2NjAiLCJDb2xvciI6eyIkcmVmIjoiMTUifX0sIklzVmlzaWJsZSI6dHJ1ZSwiV2lkdGgiOjAuMCwiSGVpZ2h0IjowLjAsIkJvcmRlclN0eWxlIjpudWxsLCJQYXJlbnRTdHlsZSI6bnVsbH0sIkRhdGVGb3JtYXQiOnsiJGlkIjoiNjYxIiwiRm9ybWF0U3RyaW5nIjoiTU1NIGQiLCJTZXBhcmF0b3IiOiIvIiwiVXNlSW50ZXJuYXRpb25hbERhdGVGb3JtYXQiOmZhbHNlLCJEYXRlSXNWaXNpYmxlIjp0cnVlLCJUaW1lSXNWaXNpYmxlIjpmYWxzZSwiSG91ckRpZ2l0cyI6MSwiQW1QbURlc2lnbmF0b3IiOjIsIlRyaW0wME1pbnV0ZXMiOmZhbHNlLCJMYXN0S25vd25WaXNpYmlsaXR5U3RhdGUiOm51bGx9LCJXZWVrTnVtYmVyaW5nIjp7IiRpZCI6IjY2MiIsIkZvcm1hdCI6MCwiSXNWaXNpYmxlIjpmYWxzZSwiTGFzdEtub3duVmlzaWJpbGl0eVN0YXRlIjpmYWxzZX0sIklzVmlzaWJsZSI6dHJ1ZSwiUGFyZW50U3R5bGUiOm51bGwsIl9leHBsaWNpdGx5U2V0Ijp7IiRpZCI6IjY2MyIsIlNoYXBlU3R5bGUiOmZhbHNlLCJUaXRsZVN0eWxlIjpmYWxzZSwiRGF0ZVN0eWxlIjpmYWxzZSwiSG9yaXpvbnRhbENvbm5lY3RvclN0eWxlIjpmYWxzZSwiVmVydGljYWxDb25uZWN0b3JTdHlsZSI6ZmFsc2UsIlBlcmNlbnRhZ2VDb21wbGV0ZVNoYXBlT3BhY2l0eSI6ZmFsc2UsIlNoYXBlIjpmYWxzZSwiU2hhcGVUaGlja25lc3MiOmZhbHNlLCJEdXJhdGlvbkZvcm1hdCI6ZmFsc2UsIkluY2x1ZGVOb25Xb3JraW5nRGF5c0luRHVyYXRpb24iOmZhbHNlLCJNYXJnaW4iOmZhbHNlLCJTdGFydERhdGVQb3NpdGlvbiI6ZmFsc2UsIkVuZERhdGVQb3NpdGlvbiI6ZmFsc2UsIlRpdGxlUG9zaXRpb24iOmZhbHNlLCJEdXJhdGlvblBvc2l0aW9uIjpmYWxzZSwiUGVyY2VudGFnZUNvbXBsZXRlZFBvc2l0aW9uIjpmYWxzZSwiU3BhY2luZyI6ZmFsc2UsIklzQmVsb3dUaW1lYmFuZCI6ZmFsc2UsIkRhdGVGb3JtYXQiOmZhbHNlLCJXZWVrTnVtYmVyaW5nIjpmYWxzZSwiSXNWaXNpYmxlIjpmYWxzZX19LCJHcmlkbGluZVBhbmVsU3R5bGUiOnsiJGlkIjoiNjY0IiwiR3JpZGxpbmVTdHlsZSI6eyIkaWQiOiI2NjUiLCJMaW5lQ29sb3IiOnsiJGlkIjoiNjY2IiwiJHR5cGUiOiJOTFJFLkNvbW1vbi5Eb20uU29saWRDb2xvckJydXNoLCBOTFJFLkNvbW1vbiIsIkNvbG9yIjp7IiRpZCI6IjY2NyIsIkEiOjM4LCJSIjo5MSwiRyI6MTU1LCJCIjoyMTN9fSwiTGluZVdlaWdodCI6MS4wLCJMaW5lVHlwZSI6MCwiUGFyZW50U3R5bGUiOm51bGx9LCJNYXJnaW4iOnsiJGlkIjoiNjY4IiwiVG9wIjowLjAsIkxlZnQiOjAuMCwiUmlnaHQiOjAuMCwiQm90dG9tIjowLjB9LCJQYWRkaW5nIjp7IiRpZCI6IjY2OSIsIlRvcCI6MC4wLCJMZWZ0IjowLjAsIlJpZ2h0IjowLjAsIkJvdHRvbSI6MC4wfSwiQmFja2dyb3VuZCI6bnVsbCwiSXNWaXNpYmxlIjp0cnVlLCJXaWR0aCI6MC4wLCJIZWlnaHQiOjAuMCwiQm9yZGVyU3R5bGUiOnsiJGlkIjoiNjcwIiwiTGluZUNvbG9yIjpudWxsLCJMaW5lV2VpZ2h0IjowLjAsIkxpbmVUeXBlIjowLCJQYXJlbnRTdHlsZSI6bnVsbH0sIlBhcmVudFN0eWxlIjpudWxsfSwiQWN0aXZpdHlMaW5lUGFuZWxTdHlsZSI6eyIkaWQiOiI2NzEiLCJBY3Rpdml0eUxpbmVTdHlsZSI6eyIkaWQiOiI2NzIiLCJMaW5lQ29sb3IiOnsiJGlkIjoiNjczIiwiJHR5cGUiOiJOTFJFLkNvbW1vbi5Eb20uU29saWRDb2xvckJydXNoLCBOTFJFLkNvbW1vbiIsIkNvbG9yIjp7IiRpZCI6IjY3NCIsIkEiOjM4LCJSIjo2OCwiRyI6MTE0LCJCIjoxOTZ9fSwiTGluZVdlaWdodCI6MS4wLCJMaW5lVHlwZSI6MCwiUGFyZW50U3R5bGUiOm51bGx9LCJNYXJnaW4iOnsiJGlkIjoiNjc1IiwiVG9wIjowLjAsIkxlZnQiOjAuMCwiUmlnaHQiOjAuMCwiQm90dG9tIjowLjB9LCJQYWRkaW5nIjp7IiRpZCI6IjY3NiIsIlRvcCI6MC4wLCJMZWZ0IjowLjAsIlJpZ2h0IjowLjAsIkJvdHRvbSI6MC4wfSwiQmFja2dyb3VuZCI6bnVsbCwiSXNWaXNpYmxlIjp0cnVlLCJXaWR0aCI6MC4wLCJIZWlnaHQiOjAuMCwiQm9yZGVyU3R5bGUiOnsiJGlkIjoiNjc3IiwiTGluZUNvbG9yIjpudWxsLCJMaW5lV2VpZ2h0IjowLjAsIkxpbmVUeXBlIjowLCJQYXJlbnRTdHlsZSI6bnVsbH0sIlBhcmVudFN0eWxlIjpudWxsfSwiU2hvd0VsYXBzZWRUaW1lR3JhZGllbnRTdHlsZSI6ZmFsc2UsIlRpbWViYW5kUmVzZXJ2ZWRMZWZ0QXJlYVN0eWxlIjp7IiRpZCI6IjY3OCIsIkFjdGl2aXR5SGVhZGVyV2lkdGgiOjc2LjAsIklzU2V0IjpmYWxzZX0sIkRlZmF1bHRTd2ltbGFuZVN0eWxlIjpudWxsfSwiU2NhbGUiOm51bGwsIlNjYWxlVjIiOnsiJGlkIjoiNjc5IiwiU3RhcnREYXRlIjoiMDAwMS0wMS0wMVQwMDowMDowMCIsIkVuZERhdGUiOiIyMDIyLTA2LTMwVDIzOjU5OjAwIiwiQXV0b0RhdGVSYW5nZSI6dHJ1ZSwiV29ya2luZ0RheXMiOjMxLCJGaXNjYWxZZWFyIjp7IiRpZCI6IjY4MCIsIlN0YXJ0TW9udGgiOjEsIlVzZVN0YXJ0aW5nWWVhckZvck51bWJlcmluZyI6dHJ1ZSwiU2hvd0Zpc2NhbFllYXJMYWJlbCI6dHJ1ZX0sIlRvZGF5TWFya2VyVGV4dCI6IlRvZGF5IiwiQXV0b1NjYWxlVHlwZSI6dHJ1ZSwiVGltZWJhbmRTY2FsZXMiOnsiJGlkIjoiNjgxIiwiVG9wU2NhbGVMYXllciI6eyIkaWQiOiI2ODIiLCJGb3JtYXQiOiJkIiwiVHlwZSI6MH0sIk1pZGRsZVNjYWxlTGF5ZXIiOnsiJGlkIjoiNjgzIiwiRm9ybWF0IjpudWxsLCJUeXBlIjowfSwiQm90dG9tU2NhbGVMYXllciI6eyIkaWQiOiI2ODQiLCJGb3JtYXQiOm51bGwsIlR5cGUiOjB9fX0sIk1pbGVzdG9uZXMiOltdLCJUYXNrcyI6W10sIlN3aW1sYW5lcyI6W10sIk1zUHJvamVjdEl0ZW1zVHJlZSI6eyIkaWQiOiI2ODUiLCJSb290Ijp7IkltcG9ydElkIjpudWxsLCJJc0ltcG9ydGVkIjpmYWxzZSwiQ2hpbGRyZW4iOltdfX0sIk1ldGFkYXRhIjp7IiRpZCI6IjY4NiIsIlNvdXJjZVRlbXBsYXRlIjoie1wiJGlkXCI6XCIxXCIsXCJJZFwiOlwiYzExZjZmNDktN2RiOC00NWZkLWJhMzItYmZjYWVhNDkyZjM5XCIsXCJDdWx0dXJlSW5mb05hbWVcIjpcImVuLVVTXCIsXCJWZXJzaW9uXCI6e1wiJGlkXCI6XCIyXCIsXCJUZW1wbGF0ZURvbVZlcnNpb25cIjpcIjEuMi4wXCJ9LFwiRWZmZWN0XCI6MSxcIlN0eWxlXCI6e1wiJGlkXCI6XCIzXCIsXCJUaW1lYmFuZFN0eWxlXCI6e1wiJGlkXCI6XCI0XCIsXCJTY2FsZU1hcmtpbmdcIjowLFwiU2hhcGVcIjoxMyxcIlNoYXBlU3R5bGVcIjp7XCIkaWRcIjpcIjVcIixcIk1hcmdpblwiOntcIiRpZFwiOlwiNlwiLFwiVG9wXCI6MC4wLFwiTGVmdFwiOjEwLjAsXCJSaWdodFwiOjEwLjAsXCJCb3R0b21cIjowLjB9LFwiUGFkZGluZ1wiOntcIiRpZFwiOlwiN1wiLFwiVG9wXCI6NS4wLFwiTGVmdFwiOjEzLjAsXCJSaWdodFwiOjEzLjAsXCJCb3R0b21cIjo1LjB9LFwiQmFja2dyb3VuZFwiOntcIiRpZFwiOlwiOFwiLFwiQ29sb3JcIjp7XCIkaWRcIjpcIjlcIixcIkFcIjoyNTUsXCJSXCI6NjgsXCJHXCI6ODQsXCJCXCI6MTA2fX0sXCJJc1Zpc2libGVcIjp0cnVlLFwiV2lkdGhcIjo4NTguMCxcIkhlaWdodFwiOjMwLjAsXCJCb3JkZXJTdHlsZVwiOntcIiRpZFwiOlwiMTBcIixcIkxpbmVDb2xvclwiOntcIiRpZFwiOlwiMTFcIixcIiR0eXBlXCI6XCJOTFJFLkNvbW1vbi5Eb20uU29saWRDb2xvckJydXNoLCBOTFJFLkNvbW1vblwiLFwiQ29sb3JcIjp7XCIkaWRcIjpcIjEyXCIsXCJBXCI6MjU1LFwiUlwiOjI1NSxcIkdcIjowLFwiQlwiOjB9fSxcIkxpbmVXZWlnaHRcIjowLjAsXCJMaW5lVHlwZVwiOjB9fSxcIk1pZGRsZVRpZXJTaGFwZVN0eWxlXCI6e1wiJGlkXCI6XCIxM1wiLFwiTWFyZ2luXCI6e1wiJGlkXCI6XCIxNFwiLFwiVG9wXCI6MC4wLFwiTGVmdFwiOjEwLjAsXCJSaWdodFwiOjEwLjAsXCJCb3R0b21cIjowLjB9LFwiUGFkZGluZ1wiOntcIiRpZFwiOlwiMTVcIixcIlRvcFwiOjUuMCxcIkxlZnRcIjoxMy4wLFwiUmlnaHRcIjoxMy4wLFwiQm90dG9tXCI6NS4wfSxcIkJhY2tncm91bmRcIjp7XCIkaWRcIjpcIjE2XCIsXCJDb2xvclwiOntcIiRpZFwiOlwiMTdcIixcIkFcIjoyNTUsXCJSXCI6NjgsXCJHXCI6ODQsXCJCXCI6MTA2fX0sXCJJc1Zpc2libGVcIjp0cnVlLFwiV2lkdGhcIjo4NTguMCxcIkhlaWdodFwiOjMwLjAsXCJCb3JkZXJTdHlsZVwiOntcIiRpZFwiOlwiMThcIixcIkxpbmVDb2xvclwiOntcIiRpZFwiOlwiMTlcIixcIiR0eXBlXCI6XCJOTFJFLkNvbW1vbi5Eb20uU29saWRDb2xvckJydXNoLCBOTFJFLkNvbW1vblwiLFwiQ29sb3JcIjp7XCIkaWRcIjpcIjIwXCIsXCJBXCI6MjU1LFwiUlwiOjI1NSxcIkdcIjowLFwiQlwiOjB9fSxcIkxpbmVXZWlnaHRcIjowLjAsXCJMaW5lVHlwZVwiOjB9fSxcIkJvdHRvbVRpZXJTaGFwZVN0eWxlXCI6e1wiJGlkXCI6XCIyMVwiLFwiTWFyZ2luXCI6e1wiJGlkXCI6XCIyMlwiLFwiVG9wXCI6MC4wLFwiTGVmdFwiOjEwLjAsXCJSaWdodFwiOjEwLjAsXCJCb3R0b21cIjowLjB9LFwiUGFkZGluZ1wiOntcIiRpZFwiOlwiMjNcIixcIlRvcFwiOjUuMCxcIkxlZnRcIjoxMy4wLFwiUmlnaHRcIjoxMy4wLFwiQm90dG9tXCI6NS4wfSxcIkJhY2tncm91bmRcIjp7XCIkaWRcIjpcIjI0XCIsXCJDb2xvclwiOntcIiRpZFwiOlwiMjVcIixcIkFcIjoyNTUsXCJSXCI6NjgsXCJHXCI6ODQsXCJCXCI6MTA2fX0sXCJJc1Zpc2libGVcIjp0cnVlLFwiV2lkdGhcIjo4NTguMCxcIkhlaWdodFwiOjMwLjAsXCJCb3JkZXJTdHlsZVwiOntcIiRpZFwiOlwiMjZcIixcIkxpbmVDb2xvclwiOntcIiRpZFwiOlwiMjdcIixcIiR0eXBlXCI6XCJOTFJFLkNvbW1vbi5Eb20uU29saWRDb2xvckJydXNoLCBOTFJFLkNvbW1vblwiLFwiQ29sb3JcIjp7XCIkaWRcIjpcIjI4XCIsXCJBXCI6MjU1LFwiUlwiOjI1NSxcIkdcIjowLFwiQlwiOjB9fSxcIkxpbmVXZWlnaHRcIjowLjAsXCJMaW5lVHlwZVwiOjB9fSxcIlJpZ2h0RW5kQ2Fwc1N0eWxlXCI6e1wiJGlkXCI6XCIyOVwiLFwiRm9udFNldHRpbmdzXCI6e1wiJGlkXCI6XCIzMFwiLFwiRm9udFNpemVcIjoxOCxcIkZvbnROYW1lXCI6XCJDYWxpYnJpXCIsXCJJc0JvbGRcIjp0cnVlLFwiSXNJdGFsaWNcIjpmYWxzZSxcIklzVW5kZXJsaW5lZFwiOmZhbHNlfSxcIkF1dG9TaXplXCI6MCxcIkZvcmVncm91bmRcIjp7XCIkaWRcIjpcIjMxXCIsXCJDb2xvclwiOntcIiRpZFwiOlwiMzJcIixcIkFcIjoyNTUsXCJSXCI6MjM3LFwiR1wiOjEyNSxcIkJcIjo0OX19LFwiQmFja2dyb3VuZEZpbGxUeXBlXCI6MCxcIk1heFdpZHRoXCI6XCJJbmZpbml0eVwiLFwiTWF4SGVpZ2h0XCI6XCJJbmZpbml0eVwiLFwiU21hcnRGb3JlZ3JvdW5kSXNBY3RpdmVcIjpmYWxzZSxcIkhvcml6b250YWxBbGlnbm1lbnRcIjowLFwiVmVydGljYWxBbGlnbm1lbnRcIjowLFwiU21hcnRGb3JlZ3JvdW5kXCI6bnVsbCxcIk1hcmdpblwiOntcIiRpZFwiOlwiMzNcIixcIlRvcFwiOjAuMCxcIkxlZnRcIjowLjAsXCJSaWdodFwiOjIwLjAsXCJCb3R0b21cIjowLjB9LFwiUGFkZGluZ1wiOntcIiRpZFwiOlwiMzRcIixcIlRvcFwiOjAuMCxcIkxlZnRcIjowLjAsXCJSaWdodFwiOjAuMCxcIkJvdHRvbVwiOjAuMH0sXCJCYWNrZ3JvdW5kXCI6e1wiJGlkXCI6XCIzNVwiLFwiQ29sb3JcIjp7XCIkaWRcIjpcIjM2XCIsXCJBXCI6MCxcIlJcIjowLFwiR1wiOjAsXCJCXCI6MH19LFwiSXNWaXNpYmxlXCI6dHJ1ZSxcIldpZHRoXCI6MC4wLFwiSGVpZ2h0XCI6MC4wLFwiQm9yZGVyU3R5bGVcIjpudWxsfSxcIkxlZnRFbmRDYXBzU3R5bGVcIjp7XCIkaWRcIjpcIjM3XCIsXCJGb250U2V0dGluZ3NcIjp7XCIkaWRcIjpcIjM4XCIsXCJGb250U2l6ZVwiOjE4LFwiRm9udE5hbWVcIjpcIkNhbGlicmlcIixcIklzQm9sZFwiOnRydWUsXCJJc0l0YWxpY1wiOmZhbHNlLFwiSXNVbmRlcmxpbmVkXCI6ZmFsc2V9LFwiQXV0b1NpemVcIjowLFwiRm9yZWdyb3VuZFwiOntcIiRpZFwiOlwiMzlcIixcIkNvbG9yXCI6e1wiJGlkXCI6XCI0MFwiLFwiQVwiOjI1NSxcIlJcIjoyMzcsXCJHXCI6MTI1LFwiQlwiOjQ5fX0sXCJCYWNrZ3JvdW5kRmlsbFR5cGVcIjowLFwiTWF4V2lkdGhcIjpcIkluZmluaXR5XCIsXCJNYXhIZWlnaHRcIjpcIkluZmluaXR5XCIsXCJTbWFydEZvcmVncm91bmRJc0FjdGl2ZVwiOmZhbHNlLFwiSG9yaXpvbnRhbEFsaWdubWVudFwiOjAsXCJWZXJ0aWNhbEFsaWdubWVudFwiOjAsXCJTbWFydEZvcmVncm91bmRcIjpudWxsLFwiTWFyZ2luXCI6e1wiJGlkXCI6XCI0MVwiLFwiVG9wXCI6MC4wLFwiTGVmdFwiOjIwLjAsXCJSaWdodFwiOjAuMCxcIkJvdHRvbVwiOjAuMH0sXCJQYWRkaW5nXCI6e1wiJGlkXCI6XCI0MlwiLFwiVG9wXCI6MC4wLFwiTGVmdFwiOjAuMCxcIlJpZ2h0XCI6MC4wLFwiQm90dG9tXCI6MC4wfSxcIkJhY2tncm91bmRcIjp7XCIkaWRcIjpcIjQzXCIsXCJDb2xvclwiOntcIiRyZWZcIjpcIjM2XCJ9fSxcIklzVmlzaWJsZVwiOmZhbHNlLFwiV2lkdGhcIjowLjAsXCJIZWlnaHRcIjowLjAsXCJCb3JkZXJTdHlsZVwiOm51bGx9LFwiVG9kYXlUZXh0U3R5bGVcIjp7XCIkaWRcIjpcIjQ0XCIsXCJGb250U2V0dGluZ3NcIjp7XCIkaWRcIjpcIjQ1XCIsXCJGb250U2l6ZVwiOjEyLFwiRm9udE5hbWVcIjpcIkNhbGlicmlcIixcIklzQm9sZFwiOmZhbHNlLFwiSXNJdGFsaWNcIjpmYWxzZSxcIklzVW5kZXJsaW5lZFwiOmZhbHNlfSxcIkF1dG9TaXplXCI6MCxcIkZvcmVncm91bmRcIjp7XCIkaWRcIjpcIjQ2XCIsXCJDb2xvclwiOntcIiRpZFwiOlwiNDdcIixcIkFcIjoyNTUsXCJSXCI6MCxcIkdcIjowLFwiQlwiOjB9fSxcIkJhY2tncm91bmRGaWxsVHlwZVwiOjAsXCJNYXhXaWR0aFwiOjIwMC4wLFwiTWF4SGVpZ2h0XCI6XCJJbmZpbml0eVwiLFwiU21hcnRGb3JlZ3JvdW5kSXNBY3RpdmVcIjpmYWxzZSxcIkhvcml6b250YWxBbGlnbm1lbnRcIjowLFwiVmVydGljYWxBbGlnbm1lbnRcIjowLFwiU21hcnRGb3JlZ3JvdW5kXCI6bnVsbCxcIk1hcmdpblwiOntcIiRpZFwiOlwiNDhcIixcIlRvcFwiOjAuMCxcIkxlZnRcIjowLjAsXCJSaWdodFwiOjAuMCxcIkJvdHRvbVwiOjAuMH0sXCJQYWRkaW5nXCI6e1wiJGlkXCI6XCI0OVwiLFwiVG9wXCI6MC4wLFwiTGVmdFwiOjAuMCxcIlJpZ2h0XCI6MC4wLFwiQm90dG9tXCI6MC4wfSxcIkJhY2tncm91bmRcIjp7XCIkaWRcIjpcIjUwXCIsXCJDb2xvclwiOntcIiRyZWZcIjpcIjM2XCJ9fSxcIklzVmlzaWJsZVwiOnRydWUsXCJXaWR0aFwiOjAuMCxcIkhlaWdodFwiOjAuMCxcIkJvcmRlclN0eWxlXCI6bnVsbH0sXCJUb2RheU1hcmtlclN0eWxlXCI6e1wiJGlkXCI6XCI1MVwiLFwiTWFyZ2luXCI6e1wiJGlkXCI6XCI1MlwiLFwiVG9wXCI6MC4wLFwiTGVmdFwiOjAuMCxcIlJpZ2h0XCI6MC4wLFwiQm90dG9tXCI6MC4wfSxcIlBhZGRpbmdcIjp7XCIkaWRcIjpcIjUzXCIsXCJUb3BcIjowLjAsXCJMZWZ0XCI6MC4wLFwiUmlnaHRcIjowLjAsXCJCb3R0b21cIjowLjB9LFwiQmFja2dyb3VuZFwiOntcIiRpZFwiOlwiNTRcIixcIkNvbG9yXCI6e1wiJGlkXCI6XCI1NVwiLFwiQVwiOjI1NSxcIlJcIjoyNTUsXCJHXCI6MCxcIkJcIjowfX0sXCJJc1Zpc2libGVcIjp0cnVlLFwiV2lkdGhcIjowLjAsXCJIZWlnaHRcIjowLjAsXCJCb3JkZXJTdHlsZVwiOm51bGx9LFwiU2NhbGVTdHlsZVwiOntcIiRpZFwiOlwiNTZcIixcIlNob3dTZWdtZW50U2VwYXJhdG9yc1wiOnRydWUsXCJTZWdtZW50U2VwYXJhdG9yT3BhY2l0eVwiOjMwLFwiU2hhcGVcIjo0LFwiSGFzQmVlblZpc2libGVCZWZvcmVcIjp0cnVlLFwiRm9udFNldHRpbmdzXCI6e1wiJGlkXCI6XCI1N1wiLFwiRm9udFNpemVcIjoxMixcIkZvbnROYW1lXCI6XCJDYWxpYnJpXCIsXCJJc0JvbGRcIjpmYWxzZSxcIklzSXRhbGljXCI6ZmFsc2UsXCJJc1VuZGVybGluZWRcIjpmYWxzZX0sXCJBdXRvU2l6ZVwiOjAsXCJGb3JlZ3JvdW5kXCI6e1wiJGlkXCI6XCI1OFwiLFwiQ29sb3JcIjp7XCIkaWRcIjpcIjU5XCIsXCJBXCI6MjU1LFwiUlwiOjI1NSxcIkdcIjoyNTUsXCJCXCI6MjU1fX0sXCJCYWNrZ3JvdW5kRmlsbFR5cGVcIjowLFwiTWF4V2lkdGhcIjoyMDAuMCxcIk1heEhlaWdodFwiOlwiSW5maW5pdHlcIixcIlNtYXJ0Rm9yZWdyb3VuZElzQWN0aXZlXCI6ZmFsc2UsXCJIb3Jpem9udGFsQWxpZ25tZW50XCI6MCxcIlZlcnRpY2FsQWxpZ25tZW50XCI6MSxcIlNtYXJ0Rm9yZWdyb3VuZFwiOm51bGwsXCJNYXJnaW5cIjp7XCIkaWRcIjpcIjYwXCIsXCJUb3BcIjowLjAsXCJMZWZ0XCI6NS4wLFwiUmlnaHRcIjowLjAsXCJCb3R0b21cIjowLjB9LFwiUGFkZGluZ1wiOntcIiRpZFwiOlwiNjFcIixcIlRvcFwiOjAuMCxcIkxlZnRcIjowLjAsXCJSaWdodFwiOjAuMCxcIkJvdHRvbVwiOjAuMH0sXCJCYWNrZ3JvdW5kXCI6e1wiJGlkXCI6XCI2MlwiLFwiQ29sb3JcIjp7XCIkcmVmXCI6XCIzNlwifX0sXCJJc1Zpc2libGVcIjp0cnVlLFwiV2lkdGhcIjowLjAsXCJIZWlnaHRcIjowLjAsXCJCb3JkZXJTdHlsZVwiOm51bGx9LFwiTWlkZGxlVGllclNjYWxlU3R5bGVcIjp7XCIkaWRcIjpcIjYzXCIsXCJTaG93U2VnbWVudFNlcGFyYXRvcnNcIjp0cnVlLFwiU2VnbWVudFNlcGFyYXRvck9wYWNpdHlcIjozMCxcIlNoYXBlXCI6NCxcIkhhc0JlZW5WaXNpYmxlQmVmb3JlXCI6ZmFsc2UsXCJGb250U2V0dGluZ3NcIjp7XCIkaWRcIjpcIjY0XCIsXCJGb250U2l6ZVwiOjEyLFwiRm9udE5hbWVcIjpcIkNhbGlicmlcIixcIklzQm9sZFwiOmZhbHNlLFwiSXNJdGFsaWNcIjpmYWxzZSxcIklzVW5kZXJsaW5lZFwiOmZhbHNlfSxcIkF1dG9TaXplXCI6MCxcIkZvcmVncm91bmRcIjp7XCIkaWRcIjpcIjY1XCIsXCJDb2xvclwiOntcIiRpZFwiOlwiNjZcIixcIkFcIjoyNTUsXCJSXCI6MjU1LFwiR1wiOjI1NSxcIkJcIjoyNTV9fSxcIkJhY2tncm91bmRGaWxsVHlwZVwiOjAsXCJNYXhXaWR0aFwiOjIwMC4wLFwiTWF4SGVpZ2h0XCI6XCJJbmZpbml0eVwiLFwiU21hcnRGb3JlZ3JvdW5kSXNBY3RpdmVcIjpmYWxzZSxcIkhvcml6b250YWxBbGlnbm1lbnRcIjowLFwiVmVydGljYWxBbGlnbm1lbnRcIjoxLFwiU21hcnRGb3JlZ3JvdW5kXCI6bnVsbCxcIk1hcmdpblwiOntcIiRpZFwiOlwiNjdcIixcIlRvcFwiOjAuMCxcIkxlZnRcIjo1LjAsXCJSaWdodFwiOjAuMCxcIkJvdHRvbVwiOjAuMH0sXCJQYWRkaW5nXCI6e1wiJGlkXCI6XCI2OFwiLFwiVG9wXCI6MC4wLFwiTGVmdFwiOjAuMCxcIlJpZ2h0XCI6MC4wLFwiQm90dG9tXCI6MC4wfSxcIkJhY2tncm91bmRcIjp7XCIkaWRcIjpcIjY5XCIsXCJDb2xvclwiOntcIiRpZFwiOlwiNzBcIixcIkFcIjowLFwiUlwiOjAsXCJHXCI6MCxcIkJcIjowfX0sXCJJc1Zpc2libGVcIjpmYWxzZSxcIldpZHRoXCI6MC4wLFwiSGVpZ2h0XCI6MC4wLFwiQm9yZGVyU3R5bGVcIjpudWxsfSxcIkJvdHRvbVRpZXJTY2FsZVN0eWxlXCI6e1wiJGlkXCI6XCI3MVwiLFwiU2hvd1NlZ21lbnRTZXBhcmF0b3JzXCI6dHJ1ZSxcIlNlZ21lbnRTZXBhcmF0b3JPcGFjaXR5XCI6MzAsXCJTaGFwZVwiOjQsXCJIYXNCZWVuVmlzaWJsZUJlZm9yZVwiOmZhbHNlLFwiRm9udFNldHRpbmdzXCI6e1wiJGlkXCI6XCI3MlwiLFwiRm9udFNpemVcIjoxMixcIkZvbnROYW1lXCI6XCJDYWxpYnJpXCIsXCJJc0JvbGRcIjpmYWxzZSxcIklzSXRhbGljXCI6ZmFsc2UsXCJJc1VuZGVybGluZWRcIjpmYWxzZX0sXCJBdXRvU2l6ZVwiOjAsXCJGb3JlZ3JvdW5kXCI6e1wiJGlkXCI6XCI3M1wiLFwiQ29sb3JcIjp7XCIkaWRcIjpcIjc0XCIsXCJBXCI6MjU1LFwiUlwiOjI1NSxcIkdcIjoyNTUsXCJCXCI6MjU1fX0sXCJCYWNrZ3JvdW5kRmlsbFR5cGVcIjowLFwiTWF4V2lkdGhcIjoyMDAuMCxcIk1heEhlaWdodFwiOlwiSW5maW5pdHlcIixcIlNtYXJ0Rm9yZWdyb3VuZElzQWN0aXZlXCI6ZmFsc2UsXCJIb3Jpem9udGFsQWxpZ25tZW50XCI6MCxcIlZlcnRpY2FsQWxpZ25tZW50XCI6MSxcIlNtYXJ0Rm9yZWdyb3VuZFwiOm51bGwsXCJNYXJnaW5cIjp7XCIkaWRcIjpcIjc1XCIsXCJUb3BcIjowLjAsXCJMZWZ0XCI6NS4wLFwiUmlnaHRcIjowLjAsXCJCb3R0b21cIjowLjB9LFwiUGFkZGluZ1wiOntcIiRpZFwiOlwiNzZcIixcIlRvcFwiOjAuMCxcIkxlZnRcIjowLjAsXCJSaWdodFwiOjAuMCxcIkJvdHRvbVwiOjAuMH0sXCJCYWNrZ3JvdW5kXCI6e1wiJGlkXCI6XCI3N1wiLFwiQ29sb3JcIjp7XCIkaWRcIjpcIjc4XCIsXCJBXCI6MCxcIlJcIjowLFwiR1wiOjAsXCJCXCI6MH19LFwiSXNWaXNpYmxlXCI6ZmFsc2UsXCJXaWR0aFwiOjAuMCxcIkhlaWdodFwiOjAuMCxcIkJvcmRlclN0eWxlXCI6bnVsbH0sXCJTaW5nbGVTY2FsZVNoYXBlU3R5bGVcIjpudWxsLFwiRWxhcHNlZFRpbWVCYWNrZ3JvdW5kXCI6e1wiJGlkXCI6XCI3OVwiLFwiQ29sb3JcIjp7XCIkaWRcIjpcIjgwXCIsXCJBXCI6NzcsXCJSXCI6MjU1LFwiR1wiOjAsXCJCXCI6MH19LFwiQXBwZW5kWWVhck9uWWVhckNoYW5nZVwiOnRydWUsXCJFbGFwc2VkVGltZUZvcm1hdFwiOjEsXCJUb2RheU1hcmtlclBvc2l0aW9uXCI6MyxcIlF1aWNrUG9zaXRpb25cIjoxLFwiQWJzb2x1dGVQb3NpdGlvblwiOjI0MC4wLFwiTWFyZ2luXCI6e1wiJGlkXCI6XCI4MVwiLFwiVG9wXCI6MC4wLFwiTGVmdFwiOjEwLjAsXCJSaWdodFwiOjEwLjAsXCJCb3R0b21cIjowLjB9LFwiUGFkZGluZ1wiOntcIiRpZFwiOlwiODJcIixcIlRvcFwiOjAuMCxcIkxlZnRcIjowLjAsXCJSaWdodFwiOjAuMCxcIkJvdHRvbVwiOjAuMH0sXCJCYWNrZ3JvdW5kXCI6e1wiJGlkXCI6XCI4M1wiLFwiQ29sb3JcIjp7XCIkaWRcIjpcIjg0XCIsXCJBXCI6MjU1LFwiUlwiOjExNSxcIkdcIjoxMTUsXCJCXCI6MTE1fX0sXCJJc1Zpc2libGVcIjp0cnVlLFwiV2lkdGhcIjowLjAsXCJIZWlnaHRcIjowLjAsXCJCb3JkZXJTdHlsZVwiOm51bGx9LFwiRGVmYXVsdE1pbGVzdG9uZVN0eWxlXCI6e1wiJGlkXCI6XCI4NVwiLFwiU2hhcGVcIjowLFwiQ29ubmVjdG9yTWFyZ2luXCI6e1wiJGlkXCI6XCI4NlwiLFwiVG9wXCI6MC4wLFwiTGVmdFwiOjIuMCxcIlJpZ2h0XCI6Mi4wLFwiQm90dG9tXCI6MC4wfSxcIkNvbm5lY3RvclN0eWxlXCI6e1wiJGlkXCI6XCI4N1wiLFwiTGluZUNvbG9yXCI6e1wiJGlkXCI6XCI4OFwiLFwiJHR5cGVcIjpcIk5MUkUuQ29tbW9uLkRvbS5Tb2xpZENvbG9yQnJ1c2gsIE5MUkUuQ29tbW9uXCIsXCJDb2xvclwiOntcIiRpZFwiOlwiODlcIixcIkFcIjoxMjcsXCJSXCI6MzEsXCJHXCI6NzMsXCJCXCI6MTI2fX0sXCJMaW5lV2VpZ2h0XCI6MS4wLFwiTGluZVR5cGVcIjowfSxcIklzQmVsb3dUaW1lYmFuZFwiOmZhbHNlLFwiSGlkZURhdGVcIjpmYWxzZSxcIlNoYXBlU2l6ZVwiOjEsXCJTcGFjaW5nXCI6Mi4wLFwiUGFkZGluZ1wiOntcIiRpZFwiOlwiOTBcIixcIlRvcFwiOjcuMCxcIkxlZnRcIjozLjAsXCJSaWdodFwiOjAuMCxcIkJvdHRvbVwiOjIuMH0sXCJQb3NpdGlvblwiOm51bGwsXCJQb3NpdGlvbk9uVGFza1wiOjAsXCJTaGFwZVN0eWxlXCI6e1wiJGlkXCI6XCI5MVwiLFwiTWFyZ2luXCI6e1wiJGlkXCI6XCI5MlwiLFwiVG9wXCI6MC4wLFwiTGVmdFwiOjAuMCxcIlJpZ2h0XCI6MC4wLFwiQm90dG9tXCI6MC4wfSxcIlBhZGRpbmdcIjp7XCIkaWRcIjpcIjkzXCIsXCJUb3BcIjowLjAsXCJMZWZ0XCI6MC4wLFwiUmlnaHRcIjowLjAsXCJCb3R0b21cIjowLjB9LFwiQmFja2dyb3VuZFwiOntcIiRpZFwiOlwiOTRcIixcIkNvbG9yXCI6e1wiJGlkXCI6XCI5NVwiLFwiQVwiOjI1NSxcIlJcIjowLFwiR1wiOjExNCxcIkJcIjoxODh9fSxcIklzVmlzaWJsZVwiOnRydWUsXCJXaWR0aFwiOjE4LjAsXCJIZWlnaHRcIjoyMC4wLFwiQm9yZGVyU3R5bGVcIjp7XCIkaWRcIjpcIjk2XCIsXCJMaW5lQ29sb3JcIjp7XCIkaWRcIjpcIjk3XCIsXCIkdHlwZVwiOlwiTkxSRS5Db21tb24uRG9tLlNvbGlkQ29sb3JCcnVzaCwgTkxSRS5Db21tb25cIixcIkNvbG9yXCI6e1wiJGlkXCI6XCI5OFwiLFwiQVwiOjI1NSxcIlJcIjoyNTUsXCJHXCI6MCxcIkJcIjowfX0sXCJMaW5lV2VpZ2h0XCI6MC4wLFwiTGluZVR5cGVcIjowfX0sXCJUaXRsZVN0eWxlXCI6e1wiJGlkXCI6XCI5OVwiLFwiRm9udFNldHRpbmdzXCI6e1wiJGlkXCI6XCIxMDBcIixcIkZvbnRTaXplXCI6MTEsXCJGb250TmFtZVwiOlwiQ2FsaWJyaVwiLFwiSXNCb2xkXCI6dHJ1ZSxcIklzSXRhbGljXCI6ZmFsc2UsXCJJc1VuZGVybGluZWRcIjpmYWxzZX0sXCJBdXRvU2l6ZVwiOjAsXCJGb3JlZ3JvdW5kXCI6e1wiJGlkXCI6XCIxMDFcIixcIkNvbG9yXCI6e1wiJGlkXCI6XCIxMDJcIixcIkFcIjoyNTUsXCJSXCI6MCxcIkdcIjowLFwiQlwiOjB9fSxcIkJhY2tncm91bmRGaWxsVHlwZVwiOjAsXCJNYXhXaWR0aFwiOjIwMC4wLFwiTWF4SGVpZ2h0XCI6XCJJbmZpbml0eVwiLFwiU21hcnRGb3JlZ3JvdW5kSXNBY3RpdmVcIjpmYWxzZSxcIkhvcml6b250YWxBbGlnbm1lbnRcIjoxLFwiVmVydGljYWxBbGlnbm1lbnRcIjowLFwiU21hcnRGb3JlZ3JvdW5kXCI6bnVsbCxcIk1hcmdpblwiOntcIiRpZFwiOlwiMTAzXCIsXCJUb3BcIjowLjAsXCJMZWZ0XCI6MC4wLFwiUmlnaHRcIjowLjAsXCJCb3R0b21cIjowLjB9LFwiUGFkZGluZ1wiOntcIiRpZFwiOlwiMTA0XCIsXCJUb3BcIjowLjAsXCJMZWZ0XCI6MC4wLFwiUmlnaHRcIjowLjAsXCJCb3R0b21cIjowLjB9LFwiQmFja2dyb3VuZFwiOntcIiRpZFwiOlwiMTA1XCIsXCJDb2xvclwiOntcIiRyZWZcIjpcIjM2XCJ9fSxcIklzVmlzaWJsZVwiOnRydWUsXCJXaWR0aFwiOjAuMCxcIkhlaWdodFwiOjAuMCxcIkJvcmRlclN0eWxlXCI6bnVsbH0sXCJEYXRlU3R5bGVcIjp7XCIkaWRcIjpcIjEwNlwiLFwiRm9udFNldHRpbmdzXCI6e1wiJGlkXCI6XCIxMDdcIixcIkZvbnRTaXplXCI6MTAsXCJGb250TmFtZVwiOlwiQ2FsaWJyaVwiLFwiSXNCb2xkXCI6ZmFsc2UsXCJJc0l0YWxpY1wiOmZhbHNlLFwiSXNVbmRlcmxpbmVkXCI6ZmFsc2V9LFwiQXV0b1NpemVcIjowLFwiRm9yZWdyb3VuZFwiOntcIiRpZFwiOlwiMTA4XCIsXCJDb2xvclwiOntcIiRpZFwiOlwiMTA5XCIsXCJBXCI6MjU1LFwiUlwiOjY4LFwiR1wiOjg0LFwiQlwiOjEwNn19LFwiQmFja2dyb3VuZEZpbGxUeXBlXCI6MCxcIk1heFdpZHRoXCI6MjAwLjAsXCJNYXhIZWlnaHRcIjpcIkluZmluaXR5XCIsXCJTbWFydEZvcmVncm91bmRJc0FjdGl2ZVwiOmZhbHNlLFwiSG9yaXpvbnRhbEFsaWdubWVudFwiOjAsXCJWZXJ0aWNhbEFsaWdubWVudFwiOjAsXCJTbWFydEZvcmVncm91bmRcIjpudWxsLFwiTWFyZ2luXCI6e1wiJGlkXCI6XCIxMTBcIixcIlRvcFwiOjAuMCxcIkxlZnRcIjowLjAsXCJSaWdodFwiOjAuMCxcIkJvdHRvbVwiOjAuMH0sXCJQYWRkaW5nXCI6e1wiJGlkXCI6XCIxMTFcIixcIlRvcFwiOjAuMCxcIkxlZnRcIjowLjAsXCJSaWdodFwiOjAuMCxcIkJvdHRvbVwiOjAuMH0sXCJCYWNrZ3JvdW5kXCI6e1wiJGlkXCI6XCIxMTJcIixcIkNvbG9yXCI6e1wiJHJlZlwiOlwiMzZcIn19LFwiSXNWaXNpYmxlXCI6dHJ1ZSxcIldpZHRoXCI6MC4wLFwiSGVpZ2h0XCI6MC4wLFwiQm9yZGVyU3R5bGVcIjpudWxsfSxcIkRhdGVGb3JtYXRcIjp7XCIkaWRcIjpcIjExM1wiLFwiRm9ybWF0U3RyaW5nXCI6XCJNTU0gZFwiLFwiU2VwYXJhdG9yXCI6XCIvXCIsXCJVc2VJbnRlcm5hdGlvbmFsRGF0ZUZvcm1hdFwiOmZhbHNlLFwiRGF0ZUlzVmlzaWJsZVwiOnRydWUsXCJUaW1lSXNWaXNpYmxlXCI6ZmFsc2UsXCJIb3VyRGlnaXRzXCI6MSxcIkFtUG1EZXNpZ25hdG9yXCI6MixcIlRyaW0wME1pbnV0ZXNcIjpmYWxzZSxcIkxhc3RLbm93blZpc2liaWxpdHlTdGF0ZVwiOm51bGx9LFwiSXNWaXNpYmxlXCI6dHJ1ZX0sXCJEZWZhdWx0VGFza1N0eWxlXCI6e1wiJGlkXCI6XCIxMTRcIixcIlNoYXBlXCI6MixcIlNoYXBlVGhpY2tuZXNzXCI6MSxcIkR1cmF0aW9uRm9ybWF0XCI6MCxcIlBlcmNlbnRhZ2VDb21wbGV0ZVN0eWxlXCI6e1wiJGlkXCI6XCIxMTVcIixcIkZvbnRTZXR0aW5nc1wiOntcIiRpZFwiOlwiMTE2XCIsXCJGb250U2l6ZVwiOjEwLFwiRm9udE5hbWVcIjpcIkNhbGlicmlcIixcIklzQm9sZFwiOmZhbHNlLFwiSXNJdGFsaWNcIjpmYWxzZSxcIklzVW5kZXJsaW5lZFwiOmZhbHNlfSxcIkF1dG9TaXplXCI6MCxcIkZvcmVncm91bmRcIjp7XCIkaWRcIjpcIjExN1wiLFwiQ29sb3JcIjp7XCIkaWRcIjpcIjExOFwiLFwiQVwiOjI1NSxcIlJcIjoyMzcsXCJHXCI6MTI1LFwiQlwiOjQ5fX0sXCJCYWNrZ3JvdW5kRmlsbFR5cGVcIjowLFwiTWF4V2lkdGhcIjoyMDAuMCxcIk1heEhlaWdodFwiOlwiSW5maW5pdHlcIixcIlNtYXJ0Rm9yZWdyb3VuZElzQWN0aXZlXCI6ZmFsc2UsXCJIb3Jpem9udGFsQWxpZ25tZW50XCI6MCxcIlZlcnRpY2FsQWxpZ25tZW50XCI6MCxcIlNtYXJ0Rm9yZWdyb3VuZFwiOm51bGwsXCJNYXJnaW5cIjp7XCIkaWRcIjpcIjExOVwiLFwiVG9wXCI6MC4wLFwiTGVmdFwiOjAuMCxcIlJpZ2h0XCI6MC4wLFwiQm90dG9tXCI6MC4wfSxcIlBhZGRpbmdcIjp7XCIkaWRcIjpcIjEyMFwiLFwiVG9wXCI6MC4wLFwiTGVmdFwiOjAuMCxcIlJpZ2h0XCI6MC4wLFwiQm90dG9tXCI6MC4wfSxcIkJhY2tncm91bmRcIjp7XCIkaWRcIjpcIjEyMVwiLFwiQ29sb3JcIjp7XCIkcmVmXCI6XCIzNlwifX0sXCJJc1Zpc2libGVcIjp0cnVlLFwiV2lkdGhcIjowLjAsXCJIZWlnaHRcIjowLjAsXCJCb3JkZXJTdHlsZVwiOm51bGx9LFwiRHVyYXRpb25TdHlsZVwiOntcIiRpZFwiOlwiMTIyXCIsXCJGb250U2V0dGluZ3NcIjp7XCIkaWRcIjpcIjEyM1wiLFwiRm9udFNpemVcIjoxMCxcIkZvbnROYW1lXCI6XCJDYWxpYnJpXCIsXCJJc0JvbGRcIjpmYWxzZSxcIklzSXRhbGljXCI6ZmFsc2UsXCJJc1VuZGVybGluZWRcIjpmYWxzZX0sXCJBdXRvU2l6ZVwiOjAsXCJGb3JlZ3JvdW5kXCI6e1wiJGlkXCI6XCIxMjRcIixcIkNvbG9yXCI6e1wiJGlkXCI6XCIxMjVcIixcIkFcIjoyNTUsXCJSXCI6MjM3LFwiR1wiOjEyNSxcIkJcIjo0OX19LFwiQmFja2dyb3VuZEZpbGxUeXBlXCI6MCxcIk1heFdpZHRoXCI6MjAwLjAsXCJNYXhIZWlnaHRcIjpcIkluZmluaXR5XCIsXCJTbWFydEZvcmVncm91bmRJc0FjdGl2ZVwiOmZhbHNlLFwiSG9yaXpvbnRhbEFsaWdubWVudFwiOjAsXCJWZXJ0aWNhbEFsaWdubWVudFwiOjAsXCJTbWFydEZvcmVncm91bmRcIjpudWxsLFwiTWFyZ2luXCI6e1wiJGlkXCI6XCIxMjZcIixcIlRvcFwiOjAuMCxcIkxlZnRcIjowLjAsXCJSaWdodFwiOjAuMCxcIkJvdHRvbVwiOjAuMH0sXCJQYWRkaW5nXCI6e1wiJGlkXCI6XCIxMjdcIixcIlRvcFwiOjAuMCxcIkxlZnRcIjowLjAsXCJSaWdodFwiOjAuMCxcIkJvdHRvbVwiOjAuMH0sXCJCYWNrZ3JvdW5kXCI6e1wiJGlkXCI6XCIxMjhcIixcIkNvbG9yXCI6e1wiJHJlZlwiOlwiMzZcIn19LFwiSXNWaXNpYmxlXCI6dHJ1ZSxcIldpZHRoXCI6MC4wLFwiSGVpZ2h0XCI6MC4wLFwiQm9yZGVyU3R5bGVcIjpudWxsfSxcIkhvcml6b250YWxDb25uZWN0b3JTdHlsZVwiOntcIiRpZFwiOlwiMTI5XCIsXCJMaW5lQ29sb3JcIjp7XCIkaWRcIjpcIjEzMFwiLFwiJHR5cGVcIjpcIk5MUkUuQ29tbW9uLkRvbS5Tb2xpZENvbG9yQnJ1c2gsIE5MUkUuQ29tbW9uXCIsXCJDb2xvclwiOntcIiRpZFwiOlwiMTMxXCIsXCJBXCI6MjU1LFwiUlwiOjIwNCxcIkdcIjoyMDQsXCJCXCI6MjA0fX0sXCJMaW5lV2VpZ2h0XCI6MS4wLFwiTGluZVR5cGVcIjowfSxcIlZlcnRpY2FsQ29ubmVjdG9yU3R5bGVcIjp7XCIkaWRcIjpcIjEzMlwiLFwiTGluZUNvbG9yXCI6e1wiJGlkXCI6XCIxMzNcIixcIiR0eXBlXCI6XCJOTFJFLkNvbW1vbi5Eb20uU29saWRDb2xvckJydXNoLCBOTFJFLkNvbW1vblwiLFwiQ29sb3JcIjp7XCIkaWRcIjpcIjEzNFwiLFwiQVwiOjI1NSxcIlJcIjoyMDQsXCJHXCI6MjA0LFwiQlwiOjIwNH19LFwiTGluZVdlaWdodFwiOjAuMCxcIkxpbmVUeXBlXCI6MH0sXCJNYXJnaW5cIjpudWxsLFwiU3RhcnREYXRlUG9zaXRpb25cIjozLFwiRW5kRGF0ZVBvc2l0aW9uXCI6NCxcIlRpdGxlUG9zaXRpb25cIjoyLFwiRHVyYXRpb25Qb3NpdGlvblwiOjYsXCJQZXJjZW50YWdlQ29tcGxldGVkUG9zaXRpb25cIjo2LFwiU3BhY2luZ1wiOjUsXCJJc0JlbG93VGltZWJhbmRcIjp0cnVlLFwiUGVyY2VudGFnZUNvbXBsZXRlU2hhcGVPcGFjaXR5XCI6MzUsXCJHcm91cE5hbWVcIjpudWxsLFwiQXR0YWNoZWRNaWxlc3RvbmVzU3R5bGVzXCI6bnVsbCxcIlNoYXBlU3R5bGVcIjp7XCIkaWRcIjpcIjEzNVwiLFwiTWFyZ2luXCI6e1wiJGlkXCI6XCIxMzZcIixcIlRvcFwiOjAuMCxcIkxlZnRcIjo0LjAsXCJSaWdodFwiOjQuMCxcIkJvdHRvbVwiOjAuMH0sXCJQYWRkaW5nXCI6e1wiJGlkXCI6XCIxMzdcIixcIlRvcFwiOjAuMCxcIkxlZnRcIjowLjAsXCJSaWdodFwiOjAuMCxcIkJvdHRvbVwiOjAuMH0sXCJCYWNrZ3JvdW5kXCI6e1wiJGlkXCI6XCIxMzhcIixcIkNvbG9yXCI6e1wiJGlkXCI6XCIxMzlcIixcIkFcIjoyNTUsXCJSXCI6MCxcIkdcIjoxMTQsXCJCXCI6MTg4fX0sXCJJc1Zpc2libGVcIjp0cnVlLFwiV2lkdGhcIjowLjAsXCJIZWlnaHRcIjoxNi4wLFwiQm9yZGVyU3R5bGVcIjp7XCIkaWRcIjpcIjE0MFwiLFwiTGluZUNvbG9yXCI6e1wiJGlkXCI6XCIxNDFcIixcIiR0eXBlXCI6XCJOTFJFLkNvbW1vbi5Eb20uU29saWRDb2xvckJydXNoLCBOTFJFLkNvbW1vblwiLFwiQ29sb3JcIjp7XCIkaWRcIjpcIjE0MlwiLFwiQVwiOjI1NSxcIlJcIjoyNTUsXCJHXCI6MCxcIkJcIjowfX0sXCJMaW5lV2VpZ2h0XCI6MC4wLFwiTGluZVR5cGVcIjowfX0sXCJUaXRsZVN0eWxlXCI6e1wiJGlkXCI6XCIxNDNcIixcIkZvbnRTZXR0aW5nc1wiOntcIiRpZFwiOlwiMTQ0XCIsXCJGb250U2l6ZVwiOjExLFwiRm9udE5hbWVcIjpcIkNhbGlicmlcIixcIklzQm9sZFwiOnRydWUsXCJJc0l0YWxpY1wiOmZhbHNlLFwiSXNVbmRlcmxpbmVkXCI6ZmFsc2V9LFwiQXV0b1NpemVcIjowLFwiRm9yZWdyb3VuZFwiOntcIiRpZFwiOlwiMTQ1XCIsXCJDb2xvclwiOntcIiRpZFwiOlwiMTQ2XCIsXCJBXCI6MjU1LFwiUlwiOjAsXCJHXCI6MCxcIkJcIjowfX0sXCJCYWNrZ3JvdW5kRmlsbFR5cGVcIjowLFwiTWF4V2lkdGhcIjo5NjAuMCxcIk1heEhlaWdodFwiOlwiSW5maW5pdHlcIixcIlNtYXJ0Rm9yZWdyb3VuZElzQWN0aXZlXCI6ZmFsc2UsXCJIb3Jpem9udGFsQWxpZ25tZW50XCI6MSxcIlZlcnRpY2FsQWxpZ25tZW50XCI6MCxcIlNtYXJ0Rm9yZWdyb3VuZFwiOm51bGwsXCJNYXJnaW5cIjp7XCIkaWRcIjpcIjE0N1wiLFwiVG9wXCI6MC4wLFwiTGVmdFwiOjAuMCxcIlJpZ2h0XCI6MC4wLFwiQm90dG9tXCI6MC4wfSxcIlBhZGRpbmdcIjp7XCIkaWRcIjpcIjE0OFwiLFwiVG9wXCI6MC4wLFwiTGVmdFwiOjAuMCxcIlJpZ2h0XCI6MC4wLFwiQm90dG9tXCI6MC4wfSxcIkJhY2tncm91bmRcIjp7XCIkaWRcIjpcIjE0OVwiLFwiQ29sb3JcIjp7XCIkcmVmXCI6XCIzNlwifX0sXCJJc1Zpc2libGVcIjp0cnVlLFwiV2lkdGhcIjowLjAsXCJIZWlnaHRcIjowLjAsXCJCb3JkZXJTdHlsZVwiOm51bGx9LFwiRGF0ZVN0eWxlXCI6e1wiJGlkXCI6XCIxNTBcIixcIkZvbnRTZXR0aW5nc1wiOntcIiRpZFwiOlwiMTUxXCIsXCJGb250U2l6ZVwiOjEwLFwiRm9udE5hbWVcIjpcIkNhbGlicmlcIixcIklzQm9sZFwiOmZhbHNlLFwiSXNJdGFsaWNcIjpmYWxzZSxcIklzVW5kZXJsaW5lZFwiOmZhbHNlfSxcIkF1dG9TaXplXCI6MCxcIkZvcmVncm91bmRcIjp7XCIkaWRcIjpcIjE1MlwiLFwiQ29sb3JcIjp7XCIkaWRcIjpcIjE1M1wiLFwiQVwiOjI1NSxcIlJcIjo2OCxcIkdcIjo4NCxcIkJcIjoxMDZ9fSxcIkJhY2tncm91bmRGaWxsVHlwZVwiOjAsXCJNYXhXaWR0aFwiOjIwMC4wLFwiTWF4SGVpZ2h0XCI6XCJJbmZpbml0eVwiLFwiU21hcnRGb3JlZ3JvdW5kSXNBY3RpdmVcIjpmYWxzZSxcIkhvcml6b250YWxBbGlnbm1lbnRcIjoxLFwiVmVydGljYWxBbGlnbm1lbnRcIjowLFwiU21hcnRGb3JlZ3JvdW5kXCI6bnVsbCxcIk1hcmdpblwiOntcIiRpZFwiOlwiMTU0XCIsXCJUb3BcIjowLjAsXCJMZWZ0XCI6MC4wLFwiUmlnaHRcIjowLjAsXCJCb3R0b21cIjowLjB9LFwiUGFkZGluZ1wiOntcIiRpZFwiOlwiMTU1XCIsXCJUb3BcIjowLjAsXCJMZWZ0XCI6MC4wLFwiUmlnaHRcIjowLjAsXCJCb3R0b21cIjowLjB9LFwiQmFja2dyb3VuZFwiOntcIiRpZFwiOlwiMTU2XCIsXCJDb2xvclwiOntcIiRyZWZcIjpcIjM2XCJ9fSxcIklzVmlzaWJsZVwiOnRydWUsXCJXaWR0aFwiOjAuMCxcIkhlaWdodFwiOjAuMCxcIkJvcmRlclN0eWxlXCI6bnVsbH0sXCJEYXRlRm9ybWF0XCI6e1wiJGlkXCI6XCIxNTdcIixcIkZvcm1hdFN0cmluZ1wiOlwiTU1NIGRcIixcIlNlcGFyYXRvclwiOlwiL1wiLFwiVXNlSW50ZXJuYXRpb25hbERhdGVGb3JtYXRcIjpmYWxzZSxcIkRhdGVJc1Zpc2libGVcIjp0cnVlLFwiVGltZUlzVmlzaWJsZVwiOmZhbHNlLFwiSG91ckRpZ2l0c1wiOjEsXCJBbVBtRGVzaWduYXRvclwiOjIsXCJUcmltMDBNaW51dGVzXCI6ZmFsc2UsXCJMYXN0S25vd25WaXNpYmlsaXR5U3RhdGVcIjpudWxsfSxcIklzVmlzaWJsZVwiOnRydWV9LFwiU2hvd0VsYXBzZWRUaW1lR3JhZGllbnRTdHlsZVwiOmZhbHNlLFwiVGltZWJhbmRSZXNlcnZlZExlZnRBcmVhU3R5bGVcIjpudWxsLFwiRGVmYXVsdFN3aW1sYW5lU3R5bGVcIjp7XCIkaWRcIjpcIjE1OFwiLFwiSGVhZGVyU3R5bGVcIjp7XCIkaWRcIjpcIjE1OVwiLFwiVGV4dFN0eWxlXCI6e1wiJGlkXCI6XCIxNjBcIixcIkZvbnRTZXR0aW5nc1wiOntcIiRpZFwiOlwiMTYxXCIsXCJGb250U2l6ZVwiOjEyLFwiRm9udE5hbWVcIjpcIkNhbGlicmlcIixcIklzQm9sZFwiOmZhbHNlLFwiSXNJdGFsaWNcIjpmYWxzZSxcIklzVW5kZXJsaW5lZFwiOmZhbHNlfSxcIkF1dG9TaXplXCI6MCxcIkZvcmVncm91bmRcIjp7XCIkaWRcIjpcIjE2MlwiLFwiQ29sb3JcIjp7XCIkaWRcIjpcIjE2M1wiLFwiQVwiOjI1NSxcIlJcIjozMixcIkdcIjo1NixcIkJcIjoxMDB9fSxcIkJhY2tncm91bmRGaWxsVHlwZVwiOjAsXCJNYXhXaWR0aFwiOjAuMCxcIk1heEhlaWdodFwiOjAuMCxcIlNtYXJ0Rm9yZWdyb3VuZElzQWN0aXZlXCI6ZmFsc2UsXCJIb3Jpem9udGFsQWxpZ25tZW50XCI6MCxcIlZlcnRpY2FsQWxpZ25tZW50XCI6MCxcIlNtYXJ0Rm9yZWdyb3VuZFwiOm51bGwsXCJNYXJnaW5cIjp7XCIkaWRcIjpcIjE2NFwiLFwiVG9wXCI6MC4wLFwiTGVmdFwiOjAuMCxcIlJpZ2h0XCI6MC4wLFwiQm90dG9tXCI6MC4wfSxcIlBhZGRpbmdcIjp7XCIkaWRcIjpcIjE2NVwiLFwiVG9wXCI6MC4wLFwiTGVmdFwiOjAuMCxcIlJpZ2h0XCI6MC4wLFwiQm90dG9tXCI6MC4wfSxcIkJhY2tncm91bmRcIjpudWxsLFwiSXNWaXNpYmxlXCI6ZmFsc2UsXCJXaWR0aFwiOjAuMCxcIkhlaWdodFwiOjAuMCxcIkJvcmRlclN0eWxlXCI6bnVsbH0sXCJSZWN0YW5nbGVTdHlsZVwiOntcIiRpZFwiOlwiMTY2XCIsXCJNYXJnaW5cIjp7XCIkaWRcIjpcIjE2N1wiLFwiVG9wXCI6MC4wLFwiTGVmdFwiOjAuMCxcIlJpZ2h0XCI6MC4wLFwiQm90dG9tXCI6MC4wfSxcIlBhZGRpbmdcIjp7XCIkaWRcIjpcIjE2OFwiLFwiVG9wXCI6MC4wLFwiTGVmdFwiOjAuMCxcIlJpZ2h0XCI6MC4wLFwiQm90dG9tXCI6MC4wfSxcIkJhY2tncm91bmRcIjp7XCIkaWRcIjpcIjE2OVwiLFwiQ29sb3JcIjp7XCIkaWRcIjpcIjE3MFwiLFwiQVwiOjEyNyxcIlJcIjo5MSxcIkdcIjoxNTUsXCJCXCI6MjEzfX0sXCJJc1Zpc2libGVcIjpmYWxzZSxcIldpZHRoXCI6MC4wLFwiSGVpZ2h0XCI6MC4wLFwiQm9yZGVyU3R5bGVcIjp7XCIkaWRcIjpcIjE3MVwiLFwiTGluZUNvbG9yXCI6e1wiJGlkXCI6XCIxNzJcIixcIiR0eXBlXCI6XCJOTFJFLkNvbW1vbi5Eb20uU29saWRDb2xvckJydXNoLCBOTFJFLkNvbW1vblwiLFwiQ29sb3JcIjp7XCIkaWRcIjpcIjE3M1wiLFwiQVwiOjI1NSxcIlJcIjoyNTUsXCJHXCI6MCxcIkJcIjowfX0sXCJMaW5lV2VpZ2h0XCI6MC4wLFwiTGluZVR5cGVcIjowfX0sXCJUZXh0SXNWZXJ0aWNhbFwiOmZhbHNlfSxcIkJhY2tncm91bmRTdHlsZVwiOntcIiRpZFwiOlwiMTc0XCIsXCJNYXJnaW5cIjp7XCIkaWRcIjpcIjE3NVwiLFwiVG9wXCI6MC4wLFwiTGVmdFwiOjAuMCxcIlJpZ2h0XCI6MC4wLFwiQm90dG9tXCI6MC4wfSxcIlBhZGRpbmdcIjp7XCIkaWRcIjpcIjE3NlwiLFwiVG9wXCI6MC4wLFwiTGVmdFwiOjAuMCxcIlJpZ2h0XCI6MC4wLFwiQm90dG9tXCI6MC4wfSxcIkJhY2tncm91bmRcIjp7XCIkaWRcIjpcIjE3N1wiLFwiQ29sb3JcIjp7XCIkaWRcIjpcIjE3OFwiLFwiQVwiOjM4LFwiUlwiOjkxLFwiR1wiOjE1NSxcIkJcIjoyMTN9fSxcIklzVmlzaWJsZVwiOnRydWUsXCJXaWR0aFwiOjAuMCxcIkhlaWdodFwiOjAuMCxcIkJvcmRlclN0eWxlXCI6e1wiJGlkXCI6XCIxNzlcIixcIkxpbmVDb2xvclwiOntcIiRpZFwiOlwiMTgwXCIsXCIkdHlwZVwiOlwiTkxSRS5Db21tb24uRG9tLlNvbGlkQ29sb3JCcnVzaCwgTkxSRS5Db21tb25cIixcIkNvbG9yXCI6e1wiJGlkXCI6XCIxODFcIixcIkFcIjoyNTUsXCJSXCI6MjU1LFwiR1wiOjAsXCJCXCI6MH19LFwiTGluZVdlaWdodFwiOjAuMCxcIkxpbmVUeXBlXCI6MH19LFwiSXNBYm92ZVRpbWViYW5kXCI6ZmFsc2V9LFwiQ3VzdG9tTWlsZXN0b25lU3R5bGVMaXN0XCI6W10sXCJDdXN0b21UYXNrU3R5bGVMaXN0XCI6W10sXCJDdXN0b21Td2ltbGFuZURlZmluaXRpb25TdHlsZUxpc3RcIjpbXSxcIkN1c3RvbVN3aW1sYW5lVjJTdHlsZUxpc3RcIjpbXSxcIkdyaWRsaW5lUGFuZWxTdHlsZVwiOntcIiRpZFwiOlwiMTgyXCIsXCJHcmlkbGluZVN0eWxlXCI6e1wiJGlkXCI6XCIxODNcIixcIkxpbmVDb2xvclwiOntcIiRpZFwiOlwiMTg0XCIsXCIkdHlwZVwiOlwiTkxSRS5Db21tb24uRG9tLlNvbGlkQ29sb3JCcnVzaCwgTkxSRS5Db21tb25cIixcIkNvbG9yXCI6e1wiJGlkXCI6XCIxODVcIixcIkFcIjozOCxcIlJcIjo5MSxcIkdcIjoxNTUsXCJCXCI6MjEzfX0sXCJMaW5lV2VpZ2h0XCI6MS4wLFwiTGluZVR5cGVcIjowfSxcIklzVmlzaWJsZVwiOnRydWV9LFwiQWN0aXZpdHlMaW5lUGFuZWxTdHlsZVwiOntcIiRpZFwiOlwiMTg2XCIsXCJBY3Rpdml0eUxpbmVTdHlsZVwiOntcIiRpZFwiOlwiMTg3XCIsXCJMaW5lQ29sb3JcIjp7XCIkaWRcIjpcIjE4OFwiLFwiJHR5cGVcIjpcIk5MUkUuQ29tbW9uLkRvbS5Tb2xpZENvbG9yQnJ1c2gsIE5MUkUuQ29tbW9uXCIsXCJDb2xvclwiOntcIiRpZFwiOlwiMTg5XCIsXCJBXCI6MzgsXCJSXCI6NjgsXCJHXCI6MTE0LFwiQlwiOjE5Nn19LFwiTGluZVdlaWdodFwiOjEuMCxcIkxpbmVUeXBlXCI6MH0sXCJJc1Zpc2libGVcIjp0cnVlfX0sXCJTY2FsZVwiOntcIiRpZFwiOlwiMTkwXCIsXCJTdGFydERhdGVcIjpcIjAwMDEtMDEtMDFUMDA6MDA6MDBcIixcIkVuZERhdGVcIjpcIjAwMDEtMDEtMDFUMDA6MDA6MDBcIixcIkZvcm1hdFwiOlwid1wiLFwiVHlwZVwiOjEsXCJBdXRvRGF0ZVJhbmdlXCI6dHJ1ZSxcIldvcmtpbmdEYXlzXCI6MzEsXCJUb2RheU1hcmtlclRleHRcIjpcIlRvZGF5XCIsXCJBdXRvU2NhbGVUeXBlXCI6dHJ1ZX0sXCJTY2FsZVYyXCI6e1wiJGlkXCI6XCIxOTFcIixcIlN0YXJ0RGF0ZVwiOlwiMDAwMS0wMS0wMVQwMDowMDowMFwiLFwiRW5kRGF0ZVwiOlwiMDAwMS0wMS0wMVQwMDowMDowMFwiLFwiQXV0b0RhdGVSYW5nZVwiOnRydWUsXCJXb3JraW5nRGF5c1wiOjMxLFwiVG9kYXlNYXJrZXJUZXh0XCI6XCJUb2RheVwiLFwiQXV0b1NjYWxlVHlwZVwiOnRydWUsXCJUaW1lYmFuZFNjYWxlc1wiOntcIiRpZFwiOlwiMTkyXCIsXCJUb3BTY2FsZUxheWVyXCI6e1wiJGlkXCI6XCIxOTNcIixcIkZvcm1hdFwiOlwid1wiLFwiVHlwZVwiOjF9LFwiTWlkZGxlU2NhbGVMYXllclwiOntcIiRpZFwiOlwiMTk0XCIsXCJGb3JtYXRcIjpudWxsLFwiVHlwZVwiOjB9LFwiQm90dG9tU2NhbGVMYXllclwiOntcIiRpZFwiOlwiMTk1XCIsXCJGb3JtYXRcIjpudWxsLFwiVHlwZVwiOjB9fX0sXCJNaWxlc3RvbmVzXCI6W10sXCJUYXNrc1wiOltdLFwiU3dpbWxhbmVzXCI6W10sXCJTd2ltbGFuZXNWMlwiOltdLFwiU2V0dGluZ3NcIjp7XCIkaWRcIjpcIjE5NlwiLFwiSW1wYU9wdGlvbnNcIjp7XCIkaWRcIjpcIjE5N1wiLFwiTGVmdFRvUmlnaHRcIjpmYWxzZSxcIlBheWxvYWRPcHRpb25zXCI6Mn19LFwiVGltZUNvbmZpZ3VyYXRpb25cIjp7XCIkaWRcIjpcIjE5OFwiLFwiVXNlVGltZVwiOmZhbHNlLFwiV29ya0RheVN0YXJ0XCI6XCIwMDowMDowMFwiLFwiV29ya0RheUVuZFwiOlwiMjM6NTk6MDBcIn19IiwiUmVjZW50Q29sb3JzQ29sbGVjdGlvbiI6IltcIiNGRjFBQUE0MlwiXSJ9LCJTZXR0aW5ncyI6eyIkaWQiOiI2ODciLCJJbXBhT3B0aW9ucyI6eyIkaWQiOiI2ODgiLCJMZWZ0VG9SaWdodCI6ZmFsc2UsIlBheWxvYWRPcHRpb25zIjoyfSwiVXNlQ29tcHJlc3Npb24iOmZhbHNlLCJDb21wcmVzaW9uUGVyY2VudGFnZSI6NTAuMCwiSW5hY3RpdmVJbnRlcnZhbFdpZHRoVGhyZXNob2xkIjozMC4wLCJJbmFjdGl2ZUludGVydmFsV2lkdGgiOjEuMCwiU3BsaXRUYXNrcyI6ZmFsc2UsIlVzZUNsdXN0ZXIiOmZhbHNlLCJFcHNpbG9uIjo1LjAsIk1pblBvaW50c1RvRm9ybUFDbHVzdGVyIjoyLCJHZW5lcmF0ZUludmlzaWJsZVNoYXBlcyI6ZmFsc2UsIlNtYXJ0VGltZWxpbmVUYXNrUGVyY2VudGFnZUZpdCI6ZmFsc2V9LCJJc05ldyI6ZmFsc2UsIkltcG9ydFR5cGUiOjAsIkZpbGVQYXRoIjpudWxsLCJUaW1lQ29uZmlndXJhdGlvbiI6eyIkaWQiOiI2ODkiLCJVc2VUaW1lIjpmYWxzZSwiV29ya0RheVN0YXJ0IjoiMDA6MDA6MDAiLCJXb3JrRGF5RW5kIjoiMjM6NTk6MDAifSwiTGFzdFVzZWRUZW1wbGF0ZUlkIjoiYzExZjZmNDktN2RiOC00NWZkLWJhMzItYmZjYWVhNDkyZjM5IiwiRmlyc3RXZWVrT2ZZZWFyIjowLCJQbGFjZU1pbGVzdG9uZUF0VGhlQmVnaW5uaW5nT2ZUaGVEYXkiOmZhbHNlfQ=="/>
+  <p:tag name="__PART_0" val="eyIkaWQiOiIxIiwiX3N3aW1sYW5lc1YyIjpbeyIkaWQiOiIyIiwiX2FjdGl2aXRpZXMiOlt7IiRpZCI6IjMiLCJfcm93cyI6W3siJGlkIjoiNCIsIl90YXNrcyI6W3siJGlkIjoiNSIsIl9hdHRhY2hlZE1pbGVzdG9uZXMiOltdLCJUYXNrRGVmaW5pdGlvbiI6eyIkaWQiOiI2IiwiR3JvdXBOYW1lIjpudWxsLCJTdGFydERhdGUiOiIyMDIyLTA1LTExVDAwOjAwOjAwWiIsIkVuZERhdGUiOiIyMDIyLTA1LTE0VDIzOjU5OjAwWiIsIlBlcmNlbnRhZ2VDb21wbGV0ZSI6bnVsbCwiU3R5bGUiOnsiJGlkIjoiNyIsIlNoYXBlIjoyLCJTaGFwZVRoaWNrbmVzcyI6MSwiRHVyYXRpb25Gb3JtYXQiOjAsIkluY2x1ZGVOb25Xb3JraW5nRGF5c0luRHVyYXRpb24iOmZhbHNlLCJQZXJjZW50YWdlQ29tcGxldGVTdHlsZSI6eyIkaWQiOiI4IiwiRm9udFNldHRpbmdzIjp7IiRpZCI6IjkiLCJGb250U2l6ZSI6MTAsIkZvbnROYW1lIjoiQ2FsaWJyaSIsIklzQm9sZCI6ZmFsc2UsIklzSXRhbGljIjpmYWxzZSwiSXNVbmRlcmxpbmVkIjpmYWxzZSwiUGFyZW50U3R5bGUiOm51bGx9LCJBdXRvU2l6ZSI6MCwiRm9yZWdyb3VuZCI6eyIkaWQiOiIxMCIsIkNvbG9yIjp7IiRpZCI6IjExIiwiQSI6MjU1LCJSIjoyMzcsIkciOjEyNSwiQiI6NDl9fSwiTWF4V2lkdGgiOjIwMC4wLCJNYXhIZWlnaHQiOiJJbmZpbml0eSIsIlNtYXJ0Rm9yZWdyb3VuZElzQWN0aXZlIjpmYWxzZSwiSG9yaXpvbnRhbEFsaWdubWVudCI6MCwiVmVydGljYWxBbGlnbm1lbnQiOjAsIlNtYXJ0Rm9yZWdyb3VuZCI6bnVsbCwiQmFja2dyb3VuZEZpbGxUeXBlIjowLCJNYXJnaW4iOnsiJGlkIjoiMTIiLCJUb3AiOjAuMCwiTGVmdCI6MC4wLCJSaWdodCI6MC4wLCJCb3R0b20iOjAuMH0sIlBhZGRpbmciOnsiJGlkIjoiMTMiLCJUb3AiOjAuMCwiTGVmdCI6MC4wLCJSaWdodCI6MC4wLCJCb3R0b20iOjAuMH0sIkJhY2tncm91bmQiOnsiJGlkIjoiMTQiLCJDb2xvciI6eyIkaWQiOiIxNSIsIkEiOjg5LCJSIjowLCJHIjowLCJCIjowfX0sIklzVmlzaWJsZSI6dHJ1ZSwiV2lkdGgiOjAuMCwiSGVpZ2h0IjowLjAsIkJvcmRlclN0eWxlIjp7IiRpZCI6IjE2IiwiTGluZUNvbG9yIjpudWxsLCJMaW5lV2VpZ2h0IjowLjAsIkxpbmVUeXBlIjowLCJQYXJlbnRTdHlsZSI6bnVsbH0sIlBhcmVudFN0eWxlIjpudWxsfSwiRHVyYXRpb25TdHlsZSI6eyIkaWQiOiIxNyIsIkZvbnRTZXR0aW5ncyI6eyIkaWQiOiIxOCIsIkZvbnRTaXplIjoxMCwiRm9udE5hbWUiOiJDYWxpYnJpIiwiSXNCb2xkIjpmYWxzZSwiSXNJdGFsaWMiOmZhbHNlLCJJc1VuZGVybGluZWQiOmZhbHNlLCJQYXJlbnRTdHlsZSI6bnVsbH0sIkF1dG9TaXplIjowLCJGb3JlZ3JvdW5kIjp7IiRpZCI6IjE5IiwiQ29sb3IiOnsiJGlkIjoiMjAiLCJBIjoyNTUsIlIiOjIzNywiRyI6MTI1LCJCIjo0OX19LCJNYXhXaWR0aCI6MjAwLjAsIk1heEhlaWdodCI6IkluZmluaXR5IiwiU21hcnRGb3JlZ3JvdW5kSXNBY3RpdmUiOmZhbHNlLCJIb3Jpem9udGFsQWxpZ25tZW50IjowLCJWZXJ0aWNhbEFsaWdubWVudCI6MCwiU21hcnRGb3JlZ3JvdW5kIjpudWxsLCJCYWNrZ3JvdW5kRmlsbFR5cGUiOjAsIk1hcmdpbiI6eyIkaWQiOiIyMSIsIlRvcCI6MC4wLCJMZWZ0IjowLjAsIlJpZ2h0IjowLjAsIkJvdHRvbSI6MC4wfSwiUGFkZGluZyI6eyIkaWQiOiIyMiIsIlRvcCI6MC4wLCJMZWZ0IjowLjAsIlJpZ2h0IjowLjAsIkJvdHRvbSI6MC4wfSwiQmFja2dyb3VuZCI6eyIkaWQiOiIyMyIsIkNvbG9yIjp7IiRyZWYiOiIxNSJ9fSwiSXNWaXNpYmxlIjp0cnVlLCJXaWR0aCI6MC4wLCJIZWlnaHQiOjAuMCwiQm9yZGVyU3R5bGUiOnsiJGlkIjoiMjQiLCJMaW5lQ29sb3IiOm51bGwsIkxpbmVXZWlnaHQiOjAuMCwiTGluZVR5cGUiOjAsIlBhcmVudFN0eWxlIjpudWxsfSwiUGFyZW50U3R5bGUiOm51bGx9LCJIb3Jpem9udGFsQ29ubmVjdG9yU3R5bGUiOnsiJGlkIjoiMjUiLCJMaW5lQ29sb3IiOnsiJGlkIjoiMjYiLCIkdHlwZSI6Ik5MUkUuQ29tbW9uLkRvbS5Tb2xpZENvbG9yQnJ1c2gsIE5MUkUuQ29tbW9uIiwiQ29sb3IiOnsiJGlkIjoiMjciLCJBIjoyNTUsIlIiOjIwNCwiRyI6MjA0LCJCIjoyMDR9fSwiTGluZVdlaWdodCI6MS4wLCJMaW5lVHlwZSI6MCwiUGFyZW50U3R5bGUiOm51bGx9LCJWZXJ0aWNhbENvbm5lY3RvclN0eWxlIjp7IiRpZCI6IjI4IiwiTGluZUNvbG9yIjp7IiRpZCI6IjI5IiwiJHR5cGUiOiJOTFJFLkNvbW1vbi5Eb20uU29saWRDb2xvckJydXNoLCBOTFJFLkNvbW1vbiIsIkNvbG9yIjp7IiRpZCI6IjMwIiwiQSI6MjU1LCJSIjoyMDQsIkciOjIwNCwiQiI6MjA0fX0sIkxpbmVXZWlnaHQiOjAuMCwiTGluZVR5cGUiOjAsIlBhcmVudFN0eWxlIjpudWxsfSwiTWFyZ2luIjpudWxsLCJTdGFydERhdGVQb3NpdGlvbiI6MywiRW5kRGF0ZVBvc2l0aW9uIjo0LCJEYXRlSXNWaXNpYmxlIjp0cnVlLCJUaXRsZVBvc2l0aW9uIjoyLCJEdXJhdGlvblBvc2l0aW9uIjo2LCJQZXJjZW50YWdlQ29tcGxldGVkUG9zaXRpb24iOjYsIlNwYWNpbmciOjUsIklzQmVsb3dUaW1lYmFuZCI6dHJ1ZSwiUGVyY2VudGFnZUNvbXBsZXRlU2hhcGVPcGFjaXR5IjozNSwiU2hhcGVTdHlsZSI6eyIkaWQiOiIzMSIsIk1hcmdpbiI6eyIkaWQiOiIzMiIsIlRvcCI6MC4wLCJMZWZ0Ijo0LjAsIlJpZ2h0Ijo0LjAsIkJvdHRvbSI6MC4wfSwiUGFkZGluZyI6eyIkaWQiOiIzMyIsIlRvcCI6MC4wLCJMZWZ0IjowLjAsIlJpZ2h0IjowLjAsIkJvdHRvbSI6MC4wfSwiQmFja2dyb3VuZCI6eyIkaWQiOiIzNCIsIkNvbG9yIjp7IiRpZCI6IjM1IiwiQSI6MjU1LCJSIjo5MSwiRyI6MTU1LCJCIjoyMTN9fSwiSXNWaXNpYmxlIjp0cnVlLCJXaWR0aCI6MC4wLCJIZWlnaHQiOjE2LjAsIkJvcmRlclN0eWxlIjp7IiRpZCI6IjM2IiwiTGluZUNvbG9yIjp7IiRpZCI6IjM3IiwiJHR5cGUiOiJOTFJFLkNvbW1vbi5Eb20uU29saWRDb2xvckJydXNoLCBOTFJFLkNvbW1vbiIsIkNvbG9yIjp7IiRpZCI6IjM4IiwiQSI6MjU1LCJSIjoyNTUsIkciOjAsIkIiOjB9fSwiTGluZVdlaWdodCI6MC4wLCJMaW5lVHlwZSI6MCwiUGFyZW50U3R5bGUiOm51bGx9LCJQYXJlbnRTdHlsZSI6bnVsbH0sIlRpdGxlU3R5bGUiOnsiJGlkIjoiMzkiLCJGb250U2V0dGluZ3MiOnsiJGlkIjoiNDAiLCJGb250U2l6ZSI6MTEsIkZvbnROYW1lIjoiQ2FsaWJyaSIsIklzQm9sZCI6dHJ1ZSwiSXNJdGFsaWMiOmZhbHNlLCJJc1VuZGVybGluZWQiOmZhbHNlLCJQYXJlbnRTdHlsZSI6bnVsbH0sIkF1dG9TaXplIjowLCJGb3JlZ3JvdW5kIjp7IiRpZCI6IjQxIiwiQ29sb3IiOnsiJGlkIjoiNDIiLCJBIjoyNTUsIlIiOjAsIkciOjAsIkIiOjB9fSwiTWF4V2lkdGgiOjcyMC4wLCJNYXhIZWlnaHQiOiJJbmZpbml0eSIsIlNtYXJ0Rm9yZWdyb3VuZElzQWN0aXZlIjpmYWxzZSwiSG9yaXpvbnRhbEFsaWdubWVudCI6MSwiVmVydGljYWxBbGlnbm1lbnQiOjAsIlNtYXJ0Rm9yZWdyb3VuZCI6bnVsbCwiQmFja2dyb3VuZEZpbGxUeXBlIjowLCJNYXJnaW4iOnsiJGlkIjoiNDMiLCJUb3AiOjAuMCwiTGVmdCI6MC4wLCJSaWdodCI6MC4wLCJCb3R0b20iOjAuMH0sIlBhZGRpbmciOnsiJGlkIjoiNDQiLCJUb3AiOjAuMCwiTGVmdCI6MC4wLCJSaWdodCI6MC4wLCJCb3R0b20iOjAuMH0sIkJhY2tncm91bmQiOnsiJGlkIjoiNDUiLCJDb2xvciI6eyIkaWQiOiI0NiIsIkEiOjAsIlIiOjI1NSwiRyI6MjU1LCJCIjoyNTV9fSwiSXNWaXNpYmxlIjp0cnVlLCJXaWR0aCI6MC4wLCJIZWlnaHQiOjAuMCwiQm9yZGVyU3R5bGUiOnsiJGlkIjoiNDciLCJMaW5lQ29sb3IiOm51bGwsIkxpbmVXZWlnaHQiOjAuMCwiTGluZVR5cGUiOjAsIlBhcmVudFN0eWxlIjpudWxsfSwiUGFyZW50U3R5bGUiOm51bGx9LCJEYXRlU3R5bGUiOnsiJGlkIjoiNDgiLCJGb250U2V0dGluZ3MiOnsiJGlkIjoiNDkiLCJGb250U2l6ZSI6MTAsIkZvbnROYW1lIjoiQ2FsaWJyaSIsIklzQm9sZCI6ZmFsc2UsIklzSXRhbGljIjpmYWxzZSwiSXNVbmRlcmxpbmVkIjpmYWxzZSwiUGFyZW50U3R5bGUiOm51bGx9LCJBdXRvU2l6ZSI6MCwiRm9yZWdyb3VuZCI6eyIkaWQiOiI1MCIsIkNvbG9yIjp7IiRpZCI6IjUxIiwiQSI6MjU1LCJSIjo2OCwiRyI6ODQsIkIiOjEwNn19LCJNYXhXaWR0aCI6MjAwLjAsIk1heEhlaWdodCI6IkluZmluaXR5IiwiU21hcnRGb3JlZ3JvdW5kSXNBY3RpdmUiOmZhbHNlLCJIb3Jpem9udGFsQWxpZ25tZW50IjoxLCJWZXJ0aWNhbEFsaWdubWVudCI6MCwiU21hcnRGb3JlZ3JvdW5kIjpudWxsLCJCYWNrZ3JvdW5kRmlsbFR5cGUiOjAsIk1hcmdpbiI6eyIkaWQiOiI1MiIsIlRvcCI6MC4wLCJMZWZ0IjowLjAsIlJpZ2h0IjowLjAsIkJvdHRvbSI6MC4wfSwiUGFkZGluZyI6eyIkaWQiOiI1MyIsIlRvcCI6MC4wLCJMZWZ0IjowLjAsIlJpZ2h0IjowLjAsIkJvdHRvbSI6MC4wfSwiQmFja2dyb3VuZCI6eyIkaWQiOiI1NCIsIkNvbG9yIjp7IiRpZCI6IjU1IiwiQSI6MCwiUiI6MjU1LCJHIjoyNTUsIkIiOjI1NX19LCJJc1Zpc2libGUiOnRydWUsIldpZHRoIjowLjAsIkhlaWdodCI6MC4wLCJCb3JkZXJTdHlsZSI6eyIkaWQiOiI1NiIsIkxpbmVDb2xvciI6bnVsbCwiTGluZVdlaWdodCI6MC4wLCJMaW5lVHlwZSI6MCwiUGFyZW50U3R5bGUiOm51bGx9LCJQYXJlbnRTdHlsZSI6bnVsbH0sIkRhdGVGb3JtYXQiOnsiJGlkIjoiNTciLCJGb3JtYXRTdHJpbmciOiJNTU0gZCIsIlNlcGFyYXRvciI6Ii8iLCJVc2VJbnRlcm5hdGlvbmFsRGF0ZUZvcm1hdCI6ZmFsc2UsIkRhdGVJc1Zpc2libGUiOnRydWUsIlRpbWVJc1Zpc2libGUiOmZhbHNlLCJIb3VyRGlnaXRzIjoxLCJBbVBtRGVzaWduYXRvciI6MiwiVHJpbTAwTWludXRlcyI6ZmFsc2UsIkxhc3RLbm93blZpc2liaWxpdHlTdGF0ZSI6bnVsbH0sIldlZWtOdW1iZXJpbmciOnsiJGlkIjoiNTgiLCJGb3JtYXQiOjAsIklzVmlzaWJsZSI6ZmFsc2UsIkxhc3RLbm93blZpc2liaWxpdHlTdGF0ZSI6ZmFsc2V9LCJJc1Zpc2libGUiOnRydWUsIlBhcmVudFN0eWxlIjpudWxsfSwiSW5kZXgiOjEsIlNtYXJ0RHVyYXRpb25BY3RpdmF0ZWQiOmZhbHNlLCJEYXRlRm9ybWF0Ijp7IiRyZWYiOiI1NyJ9LCJXZWVrTnVtYmVyaW5nIjp7IiRpZCI6IjU5IiwiRm9ybWF0IjowLCJJc1Zpc2libGUiOmZhbHNlLCJMYXN0S25vd25WaXNpYmlsaXR5U3RhdGUiOmZhbHNlfSwiSWQiOiIwMTk0YjRhYy04MGQzLTQ2NWEtODJmNi03NjE4NjYwNjM5ZTciLCJJbXBvcnRJZCI6bnVsbCwiVGl0bGUiOiJSZWdpc3RyYXRpb24gUGFnZSIsIk5vdGUiOm51bGwsIkh5cGVybGluayI6eyIkaWQiOiI2MCIsIkFkZHJlc3MiOiIiLCJTdWJBZGRyZXNzIjoiIn0sIklzQ2hhbmdlZCI6ZmFsc2UsIklzTmV3IjpmYWxzZX19XSwiX21pbGVzdG9uZXMiOltdLCJJZCI6IjAwMDAwMDAwLTAwMDAtMDAwMC0wMDAwLTAwMDAwMDAwMDAwMCIsIklzU2luZ2xlSXRlbVJvdyI6dHJ1ZX0seyIkaWQiOiI2MSIsIl90YXNrcyI6W3siJGlkIjoiNjIiLCJfYXR0YWNoZWRNaWxlc3RvbmVzIjpbXSwiVGFza0RlZmluaXRpb24iOnsiJGlkIjoiNjMiLCJHcm91cE5hbWUiOm51bGwsIlN0YXJ0RGF0ZSI6IjIwMjItMDUtMTBUMDA6MDA6MDBaIiwiRW5kRGF0ZSI6IjIwMjItMDUtMTNUMjM6NTk6MDBaIiwiUGVyY2VudGFnZUNvbXBsZXRlIjpudWxsLCJTdHlsZSI6eyIkaWQiOiI2NCIsIlNoYXBlIjoyLCJTaGFwZVRoaWNrbmVzcyI6MSwiRHVyYXRpb25Gb3JtYXQiOjAsIkluY2x1ZGVOb25Xb3JraW5nRGF5c0luRHVyYXRpb24iOmZhbHNlLCJQZXJjZW50YWdlQ29tcGxldGVTdHlsZSI6eyIkaWQiOiI2NSIsIkZvbnRTZXR0aW5ncyI6eyIkaWQiOiI2NiIsIkZvbnRTaXplIjoxMCwiRm9udE5hbWUiOiJDYWxpYnJpIiwiSXNCb2xkIjpmYWxzZSwiSXNJdGFsaWMiOmZhbHNlLCJJc1VuZGVybGluZWQiOmZhbHNlLCJQYXJlbnRTdHlsZSI6bnVsbH0sIkF1dG9TaXplIjowLCJGb3JlZ3JvdW5kIjp7IiRyZWYiOiIxMCJ9LCJNYXhXaWR0aCI6MjAwLjAsIk1heEhlaWdodCI6IkluZmluaXR5IiwiU21hcnRGb3JlZ3JvdW5kSXNBY3RpdmUiOmZhbHNlLCJIb3Jpem9udGFsQWxpZ25tZW50IjowLCJWZXJ0aWNhbEFsaWdubWVudCI6MCwiU21hcnRGb3JlZ3JvdW5kIjpudWxsLCJCYWNrZ3JvdW5kRmlsbFR5cGUiOjAsIk1hcmdpbiI6eyIkcmVmIjoiMTIifSwiUGFkZGluZyI6eyIkcmVmIjoiMTMifSwiQmFja2dyb3VuZCI6eyIkcmVmIjoiMTQifSwiSXNWaXNpYmxlIjp0cnVlLCJXaWR0aCI6MC4wLCJIZWlnaHQiOjAuMCwiQm9yZGVyU3R5bGUiOnsiJGlkIjoiNjciLCJMaW5lQ29sb3IiOm51bGwsIkxpbmVXZWlnaHQiOjAuMCwiTGluZVR5cGUiOjAsIlBhcmVudFN0eWxlIjpudWxsfSwiUGFyZW50U3R5bGUiOm51bGx9LCJEdXJhdGlvblN0eWxlIjp7IiRpZCI6IjY4IiwiRm9udFNldHRpbmdzIjp7IiRpZCI6IjY5IiwiRm9udFNpemUiOjEwLCJGb250TmFtZSI6IkNhbGlicmkiLCJJc0JvbGQiOmZhbHNlLCJJc0l0YWxpYyI6ZmFsc2UsIklzVW5kZXJsaW5lZCI6ZmFsc2UsIlBhcmVudFN0eWxlIjpudWxsfSwiQXV0b1NpemUiOjAsIkZvcmVncm91bmQiOnsiJHJlZiI6IjE5In0sIk1heFdpZHRoIjoyMDAuMCwiTWF4SGVpZ2h0IjoiSW5maW5pdHkiLCJTbWFydEZvcmVncm91bmRJc0FjdGl2ZSI6ZmFsc2UsIkhvcml6b250YWxBbGlnbm1lbnQiOjAsIlZlcnRpY2FsQWxpZ25tZW50IjowLCJTbWFydEZvcmVncm91bmQiOm51bGwsIkJhY2tncm91bmRGaWxsVHlwZSI6MCwiTWFyZ2luIjp7IiRyZWYiOiIyMSJ9LCJQYWRkaW5nIjp7IiRyZWYiOiIyMiJ9LCJCYWNrZ3JvdW5kIjp7IiRyZWYiOiIyMyJ9LCJJc1Zpc2libGUiOnRydWUsIldpZHRoIjowLjAsIkhlaWdodCI6MC4wLCJCb3JkZXJTdHlsZSI6eyIkaWQiOiI3MCIsIkxpbmVDb2xvciI6bnVsbCwiTGluZVdlaWdodCI6MC4wLCJMaW5lVHlwZSI6MCwiUGFyZW50U3R5bGUiOm51bGx9LCJQYXJlbnRTdHlsZSI6bnVsbH0sIkhvcml6b250YWxDb25uZWN0b3JTdHlsZSI6eyIkaWQiOiI3MSIsIkxpbmVDb2xvciI6eyIkcmVmIjoiMjYifSwiTGluZVdlaWdodCI6MS4wLCJMaW5lVHlwZSI6MCwiUGFyZW50U3R5bGUiOm51bGx9LCJWZXJ0aWNhbENvbm5lY3RvclN0eWxlIjp7IiRpZCI6IjcyIiwiTGluZUNvbG9yIjp7IiRyZWYiOiIyOSJ9LCJMaW5lV2VpZ2h0IjowLjAsIkxpbmVUeXBlIjowLCJQYXJlbnRTdHlsZSI6bnVsbH0sIk1hcmdpbiI6bnVsbCwiU3RhcnREYXRlUG9zaXRpb24iOjMsIkVuZERhdGVQb3NpdGlvbiI6NCwiRGF0ZUlzVmlzaWJsZSI6dHJ1ZSwiVGl0bGVQb3NpdGlvbiI6MiwiRHVyYXRpb25Qb3NpdGlvbiI6NiwiUGVyY2VudGFnZUNvbXBsZXRlZFBvc2l0aW9uIjo2LCJTcGFjaW5nIjo1LCJJc0JlbG93VGltZWJhbmQiOnRydWUsIlBlcmNlbnRhZ2VDb21wbGV0ZVNoYXBlT3BhY2l0eSI6MzUsIlNoYXBlU3R5bGUiOnsiJGlkIjoiNzMiLCJNYXJnaW4iOnsiJHJlZiI6IjMyIn0sIlBhZGRpbmciOnsiJHJlZiI6IjMzIn0sIkJhY2tncm91bmQiOnsiJGlkIjoiNzQiLCJDb2xvciI6eyIkaWQiOiI3NSIsIkEiOjI1NSwiUiI6OTEsIkciOjE1NSwiQiI6MjEzfX0sIklzVmlzaWJsZSI6dHJ1ZSwiV2lkdGgiOjAuMCwiSGVpZ2h0IjoxNi4wLCJCb3JkZXJTdHlsZSI6eyIkaWQiOiI3NiIsIkxpbmVDb2xvciI6eyIkcmVmIjoiMzcifSwiTGluZVdlaWdodCI6MC4wLCJMaW5lVHlwZSI6MCwiUGFyZW50U3R5bGUiOm51bGx9LCJQYXJlbnRTdHlsZSI6bnVsbH0sIlRpdGxlU3R5bGUiOnsiJGlkIjoiNzciLCJGb250U2V0dGluZ3MiOnsiJGlkIjoiNzgiLCJGb250U2l6ZSI6MTEsIkZvbnROYW1lIjoiQ2FsaWJyaSIsIklzQm9sZCI6dHJ1ZSwiSXNJdGFsaWMiOmZhbHNlLCJJc1VuZGVybGluZWQiOmZhbHNlLCJQYXJlbnRTdHlsZSI6bnVsbH0sIkF1dG9TaXplIjowLCJGb3JlZ3JvdW5kIjp7IiRpZCI6Ijc5IiwiQ29sb3IiOnsiJGlkIjoiODAiLCJBIjoyNTUsIlIiOjAsIkciOjAsIkIiOjB9fSwiTWF4V2lkdGgiOjcyMC4wLCJNYXhIZWlnaHQiOiJJbmZpbml0eSIsIlNtYXJ0Rm9yZWdyb3VuZElzQWN0aXZlIjpmYWxzZSwiSG9yaXpvbnRhbEFsaWdubWVudCI6MSwiVmVydGljYWxBbGlnbm1lbnQiOjAsIlNtYXJ0Rm9yZWdyb3VuZCI6bnVsbCwiQmFja2dyb3VuZEZpbGxUeXBlIjowLCJNYXJnaW4iOnsiJHJlZiI6IjQzIn0sIlBhZGRpbmciOnsiJHJlZiI6IjQ0In0sIkJhY2tncm91bmQiOnsiJGlkIjoiODEiLCJDb2xvciI6eyIkaWQiOiI4MiIsIkEiOjAsIlIiOjI1NSwiRyI6MjU1LCJCIjoyNTV9fSwiSXNWaXNpYmxlIjp0cnVlLCJXaWR0aCI6MC4wLCJIZWlnaHQiOjAuMCwiQm9yZGVyU3R5bGUiOnsiJGlkIjoiODMiLCJMaW5lQ29sb3IiOm51bGwsIkxpbmVXZWlnaHQiOjAuMCwiTGluZVR5cGUiOjAsIlBhcmVudFN0eWxlIjpudWxsfSwiUGFyZW50U3R5bGUiOm51bGx9LCJEYXRlU3R5bGUiOnsiJGlkIjoiODQiLCJGb250U2V0dGluZ3MiOnsiJGlkIjoiODUiLCJGb250U2l6ZSI6MTAsIkZvbnROYW1lIjoiQ2FsaWJyaSIsIklzQm9sZCI6ZmFsc2UsIklzSXRhbGljIjpmYWxzZSwiSXNVbmRlcmxpbmVkIjpmYWxzZSwiUGFyZW50U3R5bGUiOm51bGx9LCJBdXRvU2l6ZSI6MCwiRm9yZWdyb3VuZCI6eyIkaWQiOiI4NiIsIkNvbG9yIjp7IiRpZCI6Ijg3IiwiQSI6MjU1LCJSIjo2OCwiRyI6ODQsIkIiOjEwNn19LCJNYXhXaWR0aCI6MjAwLjAsIk1heEhlaWdodCI6IkluZmluaXR5IiwiU21hcnRGb3JlZ3JvdW5kSXNBY3RpdmUiOmZhbHNlLCJIb3Jpem9udGFsQWxpZ25tZW50IjoxLCJWZXJ0aWNhbEFsaWdubWVudCI6MCwiU21hcnRGb3JlZ3JvdW5kIjpudWxsLCJCYWNrZ3JvdW5kRmlsbFR5cGUiOjAsIk1hcmdpbiI6eyIkcmVmIjoiNTIifSwiUGFkZGluZyI6eyIkcmVmIjoiNTMifSwiQmFja2dyb3VuZCI6eyIkaWQiOiI4OCIsIkNvbG9yIjp7IiRpZCI6Ijg5IiwiQSI6MCwiUiI6MjU1LCJHIjoyNTUsIkIiOjI1NX19LCJJc1Zpc2libGUiOnRydWUsIldpZHRoIjowLjAsIkhlaWdodCI6MC4wLCJCb3JkZXJTdHlsZSI6eyIkaWQiOiI5MCIsIkxpbmVDb2xvciI6bnVsbCwiTGluZVdlaWdodCI6MC4wLCJMaW5lVHlwZSI6MCwiUGFyZW50U3R5bGUiOm51bGx9LCJQYXJlbnRTdHlsZSI6bnVsbH0sIkRhdGVGb3JtYXQiOnsiJHJlZiI6IjU3In0sIldlZWtOdW1iZXJpbmciOnsiJGlkIjoiOTEiLCJGb3JtYXQiOjAsIklzVmlzaWJsZSI6ZmFsc2UsIkxhc3RLbm93blZpc2liaWxpdHlTdGF0ZSI6ZmFsc2V9LCJJc1Zpc2libGUiOnRydWUsIlBhcmVudFN0eWxlIjpudWxsfSwiSW5kZXgiOjIsIlNtYXJ0RHVyYXRpb25BY3RpdmF0ZWQiOmZhbHNlLCJEYXRlRm9ybWF0Ijp7IiRyZWYiOiI1NyJ9LCJXZWVrTnVtYmVyaW5nIjp7IiRpZCI6IjkyIiwiRm9ybWF0IjowLCJJc1Zpc2libGUiOmZhbHNlLCJMYXN0S25vd25WaXNpYmlsaXR5U3RhdGUiOmZhbHNlfSwiSWQiOiJjMjU5NGE2OC01MDg3LTQ2MTgtOWQxNS1mZWYxNjBmYjczOGQiLCJJbXBvcnRJZCI6bnVsbCwiVGl0bGUiOiJMb2dpbiBQYWdlIiwiTm90ZSI6bnVsbCwiSHlwZXJsaW5rIjp7IiRpZCI6IjkzIiwiQWRkcmVzcyI6IiIsIlN1YkFkZHJlc3MiOiIifSwiSXNDaGFuZ2VkIjpmYWxzZSwiSXNOZXciOmZhbHNlfX1dLCJfbWlsZXN0b25lcyI6W10sIklkIjoiMDAwMDAwMDAtMDAwMC0wMDAwLTAwMDAtMDAwMDAwMDAwMDAwIiwiSXNTaW5nbGVJdGVtUm93Ijp0cnVlfV0sIkluZGV4IjowLCJJZCI6ImE5NWFlMGE4LTgxYzAtNDdkYy1hYzM5LTMxZTZmNzIwMTYzNyIsIkhlYWRlclRleHQiOm51bGwsIklzRGVmYXVsdCI6dHJ1ZSwiU3R5bGUiOnsiJGlkIjoiOTQiLCJIZWFkZXJTdHlsZSI6eyIkaWQiOiI5NSIsIlRleHRTdHlsZSI6eyIkaWQiOiI5NiIsIkZvbnRTZXR0aW5ncyI6eyIkaWQiOiI5NyIsIkZvbnRTaXplIjoxMSwiRm9udE5hbWUiOiJDYWxpYnJpIiwiSXNCb2xkIjpmYWxzZSwiSXNJdGFsaWMiOmZhbHNlLCJJc1VuZGVybGluZWQiOmZhbHNlLCJQYXJlbnRTdHlsZSI6bnVsbH0sIkF1dG9TaXplIjoyLCJGb3JlZ3JvdW5kIjp7IiRpZCI6Ijk4IiwiQ29sb3IiOnsiJGlkIjoiOTkiLCJBIjoyNTUsIlIiOjAsIkciOjAsIkIiOjB9fSwiTWF4V2lkdGgiOjAuMCwiTWF4SGVpZ2h0IjoiSW5maW5pdHkiLCJTbWFydEZvcmVncm91bmRJc0FjdGl2ZSI6ZmFsc2UsIkhvcml6b250YWxBbGlnbm1lbnQiOjAsIlZlcnRpY2FsQWxpZ25tZW50IjowLCJTbWFydEZvcmVncm91bmQiOm51bGwsIkJhY2tncm91bmRGaWxsVHlwZSI6MCwiTWFyZ2luIjp7IiRpZCI6IjEwMCIsIlRvcCI6MC4wLCJMZWZ0IjowLjAsIlJpZ2h0IjowLjAsIkJvdHRvbSI6MC4wfSwiUGFkZGluZyI6eyIkaWQiOiIxMDEiLCJUb3AiOjAuMCwiTGVmdCI6MC4wLCJSaWdodCI6MC4wLCJCb3R0b20iOjAuMH0sIkJhY2tncm91bmQiOm51bGwsIklzVmlzaWJsZSI6dHJ1ZSwiV2lkdGgiOjAuMCwiSGVpZ2h0IjowLjAsIkJvcmRlclN0eWxlIjpudWxsLCJQYXJlbnRTdHlsZSI6bnVsbH0sIlJlY3RhbmdsZVN0eWxlIjp7IiRpZCI6IjEwMiIsIk1hcmdpbiI6eyIkaWQiOiIxMDMiLCJUb3AiOjAuMCwiTGVmdCI6MC4wLCJSaWdodCI6MC4wLCJCb3R0b20iOjAuMH0sIlBhZGRpbmciOnsiJGlkIjoiMTA0IiwiVG9wIjowLjAsIkxlZnQiOjAuMCwiUmlnaHQiOjAuMCwiQm90dG9tIjowLjB9LCJCYWNrZ3JvdW5kIjp7IiRpZCI6IjEwNSIsIkNvbG9yIjp7IiRpZCI6IjEwNiIsIkEiOjYzLCJSIjo5MSwiRyI6MTU1LCJCIjoyMTN9fSwiSXNWaXNpYmxlIjp0cnVlLCJXaWR0aCI6MC4wLCJIZWlnaHQiOjAuMCwiQm9yZGVyU3R5bGUiOnsiJGlkIjoiMTA3IiwiTGluZUNvbG9yIjp7IiRpZCI6IjEwOCIsIiR0eXBlIjoiTkxSRS5Db21tb24uRG9tLlNvbGlkQ29sb3JCcnVzaCwgTkxSRS5Db21tb24iLCJDb2xvciI6eyIkaWQiOiIxMDkiLCJBIjoyNTUsIlIiOjI1NSwiRyI6MCwiQiI6MH19LCJMaW5lV2VpZ2h0IjowLjAsIkxpbmVUeXBlIjowLCJQYXJlbnRTdHlsZSI6bnVsbH0sIlBhcmVudFN0eWxlIjpudWxsfSwiTWFyZ2luIjp7IiRpZCI6IjExMCIsIlRvcCI6MC4wLCJMZWZ0IjowLjAsIlJpZ2h0IjowLjAsIkJvdHRvbSI6MC4wfSwiUGFkZGluZyI6eyIkaWQiOiIxMTEiLCJUb3AiOjAuMCwiTGVmdCI6MC4wLCJSaWdodCI6MC4wLCJCb3R0b20iOjAuMH0sIkJhY2tncm91bmQiOm51bGwsIklzVmlzaWJsZSI6dHJ1ZSwiV2lkdGgiOjAuMCwiSGVpZ2h0IjowLjAsIkJvcmRlclN0eWxlIjpudWxsLCJQYXJlbnRTdHlsZSI6bnVsbH0sIkJhY2tncm91bmRTdHlsZSI6eyIkaWQiOiIxMTIiLCJNYXJnaW4iOnsiJGlkIjoiMTEzIiwiVG9wIjowLjAsIkxlZnQiOjAuMCwiUmlnaHQiOjAuMCwiQm90dG9tIjowLjB9LCJQYWRkaW5nIjp7IiRpZCI6IjExNCIsIlRvcCI6MC4wLCJMZWZ0IjowLjAsIlJpZ2h0IjowLjAsIkJvdHRvbSI6MC4wfSwiQmFja2dyb3VuZCI6eyIkaWQiOiIxMTUiLCJDb2xvciI6eyIkaWQiOiIxMTYiLCJBIjo1MSwiUiI6MTY1LCJHIjoxNjUsIkIiOjE2NX19LCJJc1Zpc2libGUiOnRydWUsIldpZHRoIjowLjAsIkhlaWdodCI6MC4wLCJCb3JkZXJTdHlsZSI6eyIkaWQiOiIxMTciLCJMaW5lQ29sb3IiOnsiJGlkIjoiMTE4IiwiJHR5cGUiOiJOTFJFLkNvbW1vbi5Eb20uU29saWRDb2xvckJydXNoLCBOTFJFLkNvbW1vbiIsIkNvbG9yIjp7IiRpZCI6IjExOSIsIkEiOjI1NSwiUiI6MjU1LCJHIjowLCJCIjowfX0sIkxpbmVXZWlnaHQiOjAuMCwiTGluZVR5cGUiOjAsIlBhcmVudFN0eWxlIjpudWxsfSwiUGFyZW50U3R5bGUiOm51bGx9LCJNYXJnaW4iOnsiJGlkIjoiMTIwIiwiVG9wIjowLjAsIkxlZnQiOjAuMCwiUmlnaHQiOjAuMCwiQm90dG9tIjowLjB9LCJQYWRkaW5nIjp7IiRpZCI6IjEyMSIsIlRvcCI6MC4wLCJMZWZ0IjowLjAsIlJpZ2h0IjowLjAsIkJvdHRvbSI6MC4wfSwiSXNWaXNpYmxlIjpmYWxzZSwiV2lkdGgiOjAuMCwiSGVpZ2h0IjowLjAsIkJvcmRlclN0eWxlIjpudWxsLCJQYXJlbnRTdHlsZSI6bnVsbH19XSwiSWQiOiI5M2IwYjA4Zi1mZTBiLTQ3NjMtYmY0ZC1mOTM4ZjM4ZGY3MTciLCJJbmRleCI6MCwiSGVhZGVyVGV4dCI6IkF1dGhlbnRpY2F0aW9uIiwiU3R5bGUiOnsiJGlkIjoiMTIyIiwiSGVhZGVyU3R5bGUiOnsiJGlkIjoiMTIzIiwiVGV4dElzVmVydGljYWwiOmZhbHNlLCJUZXh0U3R5bGUiOnsiJGlkIjoiMTI0IiwiRm9udFNldHRpbmdzIjp7IiRpZCI6IjEyNSIsIkZvbnRTaXplIjoxMiwiRm9udE5hbWUiOiJDYWxpYnJpIiwiSXNCb2xkIjpmYWxzZSwiSXNJdGFsaWMiOmZhbHNlLCJJc1VuZGVybGluZWQiOmZhbHNlLCJQYXJlbnRTdHlsZSI6bnVsbH0sIkF1dG9TaXplIjoyLCJGb3JlZ3JvdW5kIjp7IiRpZCI6IjEyNiIsIkNvbG9yIjp7IiRpZCI6IjEyNyIsIkEiOjI1NSwiUiI6MjU1LCJHIjoyNTUsIkIiOjI1NX19LCJNYXhXaWR0aCI6MTYwLjAsIk1heEhlaWdodCI6IkluZmluaXR5IiwiU21hcnRGb3JlZ3JvdW5kSXNBY3RpdmUiOmZhbHNlLCJIb3Jpem9udGFsQWxpZ25tZW50IjowLCJWZXJ0aWNhbEFsaWdubWVudCI6MCwiU21hcnRGb3JlZ3JvdW5kIjpudWxsLCJCYWNrZ3JvdW5kRmlsbFR5cGUiOjAsIk1hcmdpbiI6eyIkaWQiOiIxMjgiLCJUb3AiOjAuMCwiTGVmdCI6MC4wLCJSaWdodCI6MC4wLCJCb3R0b20iOjAuMH0sIlBhZGRpbmciOnsiJGlkIjoiMTI5IiwiVG9wIjowLjAsIkxlZnQiOjAuMCwiUmlnaHQiOjAuMCwiQm90dG9tIjowLjB9LCJCYWNrZ3JvdW5kIjpudWxsLCJJc1Zpc2libGUiOnRydWUsIldpZHRoIjowLjAsIkhlaWdodCI6MC4wLCJCb3JkZXJTdHlsZSI6bnVsbCwiUGFyZW50U3R5bGUiOm51bGx9LCJSZWN0YW5nbGVTdHlsZSI6eyIkaWQiOiIxMzAiLCJNYXJnaW4iOnsiJGlkIjoiMTMxIiwiVG9wIjowLjAsIkxlZnQiOjAuMCwiUmlnaHQiOjAuMCwiQm90dG9tIjowLjB9LCJQYWRkaW5nIjp7IiRpZCI6IjEzMiIsIlRvcCI6MC4wLCJMZWZ0IjowLjAsIlJpZ2h0IjowLjAsIkJvdHRvbSI6MC4wfSwiQmFja2dyb3VuZCI6eyIkaWQiOiIxMzMiLCJDb2xvciI6eyIkaWQiOiIxMzQiLCJBIjoyNTUsIlIiOjkxLCJHIjoxNTUsIkIiOjIxM319LCJJc1Zpc2libGUiOnRydWUsIldpZHRoIjowLjAsIkhlaWdodCI6MC4wLCJCb3JkZXJTdHlsZSI6eyIkaWQiOiIxMzUiLCJMaW5lQ29sb3IiOnsiJGlkIjoiMTM2IiwiJHR5cGUiOiJOTFJFLkNvbW1vbi5Eb20uU29saWRDb2xvckJydXNoLCBOTFJFLkNvbW1vbiIsIkNvbG9yIjp7IiRpZCI6IjEzNyIsIkEiOjI1NSwiUiI6MjU1LCJHIjowLCJCIjowfX0sIkxpbmVXZWlnaHQiOjAuMCwiTGluZVR5cGUiOjAsIlBhcmVudFN0eWxlIjpudWxsfSwiUGFyZW50U3R5bGUiOm51bGx9LCJNYXJnaW4iOnsiJGlkIjoiMTM4IiwiVG9wIjowLjAsIkxlZnQiOjAuMCwiUmlnaHQiOjAuMCwiQm90dG9tIjowLjB9LCJQYWRkaW5nIjp7IiRpZCI6IjEzOSIsIlRvcCI6MC4wLCJMZWZ0IjowLjAsIlJpZ2h0IjowLjAsIkJvdHRvbSI6MC4wfSwiQmFja2dyb3VuZCI6bnVsbCwiSXNWaXNpYmxlIjp0cnVlLCJXaWR0aCI6MC4wLCJIZWlnaHQiOjAuMCwiQm9yZGVyU3R5bGUiOm51bGwsIlBhcmVudFN0eWxlIjpudWxsfSwiQmFja2dyb3VuZFN0eWxlIjp7IiRpZCI6IjE0MCIsIk1hcmdpbiI6eyIkaWQiOiIxNDEiLCJUb3AiOjAuMCwiTGVmdCI6MC4wLCJSaWdodCI6MC4wLCJCb3R0b20iOjAuMH0sIlBhZGRpbmciOnsiJGlkIjoiMTQyIiwiVG9wIjowLjAsIkxlZnQiOjAuMCwiUmlnaHQiOjAuMCwiQm90dG9tIjowLjB9LCJCYWNrZ3JvdW5kIjp7IiRpZCI6IjE0MyIsIkNvbG9yIjp7IiRpZCI6IjE0NCIsIkEiOjUxLCJSIjoxNjUsIkciOjE2NSwiQiI6MTY1fX0sIklzVmlzaWJsZSI6dHJ1ZSwiV2lkdGgiOjAuMCwiSGVpZ2h0IjowLjAsIkJvcmRlclN0eWxlIjp7IiRpZCI6IjE0NSIsIkxpbmVDb2xvciI6eyIkaWQiOiIxNDYiLCIkdHlwZSI6Ik5MUkUuQ29tbW9uLkRvbS5Tb2xpZENvbG9yQnJ1c2gsIE5MUkUuQ29tbW9uIiwiQ29sb3IiOnsiJGlkIjoiMTQ3IiwiQSI6MjU1LCJSIjoyNTUsIkciOjAsIkIiOjB9fSwiTGluZVdlaWdodCI6MC4wLCJMaW5lVHlwZSI6MCwiUGFyZW50U3R5bGUiOm51bGx9LCJQYXJlbnRTdHlsZSI6bnVsbH0sIklzQWJvdmVUaW1lYmFuZCI6ZmFsc2UsIk1hcmdpbiI6eyIkaWQiOiIxNDgiLCJUb3AiOjAuMCwiTGVmdCI6MC4wLCJSaWdodCI6MC4wLCJCb3R0b20iOjAuMH0sIlBhZGRpbmciOnsiJGlkIjoiMTQ5IiwiVG9wIjowLjAsIkxlZnQiOjAuMCwiUmlnaHQiOjAuMCwiQm90dG9tIjowLjB9LCJJc1Zpc2libGUiOnRydWUsIldpZHRoIjowLjAsIkhlaWdodCI6MC4wLCJCb3JkZXJTdHlsZSI6eyIkaWQiOiIxNTAiLCJMaW5lQ29sb3IiOm51bGwsIkxpbmVXZWlnaHQiOjAuMCwiTGluZVR5cGUiOjAsIlBhcmVudFN0eWxlIjpudWxsfSwiUGFyZW50U3R5bGUiOm51bGx9fSx7IiRpZCI6IjE1MSIsIl9hY3Rpdml0aWVzIjpbeyIkaWQiOiIxNTIiLCJfcm93cyI6W3siJGlkIjoiMTUzIiwiX3Rhc2tzIjpbeyIkaWQiOiIxNTQiLCJfYXR0YWNoZWRNaWxlc3RvbmVzIjpbXSwiVGFza0RlZmluaXRpb24iOnsiJGlkIjoiMTU1IiwiR3JvdXBOYW1lIjpudWxsLCJTdGFydERhdGUiOiIyMDIyLTA1LTA1VDAwOjAwOjAwWiIsIkVuZERhdGUiOiIyMDIyLTA1LTA2VDIzOjU5OjAwWiIsIlBlcmNlbnRhZ2VDb21wbGV0ZSI6bnVsbCwiU3R5bGUiOnsiJGlkIjoiMTU2IiwiU2hhcGUiOjIsIlNoYXBlVGhpY2tuZXNzIjoxLCJEdXJhdGlvbkZvcm1hdCI6MCwiSW5jbHVkZU5vbldvcmtpbmdEYXlzSW5EdXJhdGlvbiI6ZmFsc2UsIlBlcmNlbnRhZ2VDb21wbGV0ZVN0eWxlIjp7IiRpZCI6IjE1NyIsIkZvbnRTZXR0aW5ncyI6eyIkaWQiOiIxNTgiLCJGb250U2l6ZSI6MTAsIkZvbnROYW1lIjoiQ2FsaWJyaSIsIklzQm9sZCI6ZmFsc2UsIklzSXRhbGljIjpmYWxzZSwiSXNVbmRlcmxpbmVkIjpmYWxzZSwiUGFyZW50U3R5bGUiOm51bGx9LCJBdXRvU2l6ZSI6MCwiRm9yZWdyb3VuZCI6eyIkcmVmIjoiMTAifSwiTWF4V2lkdGgiOjIwMC4wLCJNYXhIZWlnaHQiOiJJbmZpbml0eSIsIlNtYXJ0Rm9yZWdyb3VuZElzQWN0aXZlIjpmYWxzZSwiSG9yaXpvbnRhbEFsaWdubWVudCI6MCwiVmVydGljYWxBbGlnbm1lbnQiOjAsIlNtYXJ0Rm9yZWdyb3VuZCI6bnVsbCwiQmFja2dyb3VuZEZpbGxUeXBlIjowLCJNYXJnaW4iOnsiJHJlZiI6IjEyIn0sIlBhZGRpbmciOnsiJHJlZiI6IjEzIn0sIkJhY2tncm91bmQiOnsiJHJlZiI6IjE0In0sIklzVmlzaWJsZSI6dHJ1ZSwiV2lkdGgiOjAuMCwiSGVpZ2h0IjowLjAsIkJvcmRlclN0eWxlIjp7IiRpZCI6IjE1OSIsIkxpbmVDb2xvciI6bnVsbCwiTGluZVdlaWdodCI6MC4wLCJMaW5lVHlwZSI6MCwiUGFyZW50U3R5bGUiOm51bGx9LCJQYXJlbnRTdHlsZSI6bnVsbH0sIkR1cmF0aW9uU3R5bGUiOnsiJGlkIjoiMTYwIiwiRm9udFNldHRpbmdzIjp7IiRpZCI6IjE2MSIsIkZvbnRTaXplIjoxMCwiRm9udE5hbWUiOiJDYWxpYnJpIiwiSXNCb2xkIjpmYWxzZSwiSXNJdGFsaWMiOmZhbHNlLCJJc1VuZGVybGluZWQiOmZhbHNlLCJQYXJlbnRTdHlsZSI6bnVsbH0sIkF1dG9TaXplIjowLCJGb3JlZ3JvdW5kIjp7IiRyZWYiOiIxOSJ9LCJNYXhXaWR0aCI6MjAwLjAsIk1heEhlaWdodCI6IkluZmluaXR5IiwiU21hcnRGb3JlZ3JvdW5kSXNBY3RpdmUiOmZhbHNlLCJIb3Jpem9udGFsQWxpZ25tZW50IjowLCJWZXJ0aWNhbEFsaWdubWVudCI6MCwiU21hcnRGb3JlZ3JvdW5kIjpudWxsLCJCYWNrZ3JvdW5kRmlsbFR5cGUiOjAsIk1hcmdpbiI6eyIkcmVmIjoiMjEifSwiUGFkZGluZyI6eyIkcmVmIjoiMjIifSwiQmFja2dyb3VuZCI6eyIkcmVmIjoiMjMifSwiSXNWaXNpYmxlIjp0cnVlLCJXaWR0aCI6MC4wLCJIZWlnaHQiOjAuMCwiQm9yZGVyU3R5bGUiOnsiJGlkIjoiMTYyIiwiTGluZUNvbG9yIjpudWxsLCJMaW5lV2VpZ2h0IjowLjAsIkxpbmVUeXBlIjowLCJQYXJlbnRTdHlsZSI6bnVsbH0sIlBhcmVudFN0eWxlIjpudWxsfSwiSG9yaXpvbnRhbENvbm5lY3RvclN0eWxlIjp7IiRpZCI6IjE2MyIsIkxpbmVDb2xvciI6eyIkcmVmIjoiMjYifSwiTGluZVdlaWdodCI6MS4wLCJMaW5lVHlwZSI6MCwiUGFyZW50U3R5bGUiOm51bGx9LCJWZXJ0aWNhbENvbm5lY3RvclN0eWxlIjp7IiRpZCI6IjE2NCIsIkxpbmVDb2xvciI6eyIkcmVmIjoiMjkifSwiTGluZVdlaWdodCI6MC4wLCJMaW5lVHlwZSI6MCwiUGFyZW50U3R5bGUiOm51bGx9LCJNYXJnaW4iOm51bGwsIlN0YXJ0RGF0ZVBvc2l0aW9uIjozLCJFbmREYXRlUG9zaXRpb24iOjQsIkRhdGVJc1Zpc2libGUiOnRydWUsIlRpdGxlUG9zaXRpb24iOjIsIkR1cmF0aW9uUG9zaXRpb24iOjYsIlBlcmNlbnRhZ2VDb21wbGV0ZWRQb3NpdGlvbiI6NiwiU3BhY2luZyI6NSwiSXNCZWxvd1RpbWViYW5kIjp0cnVlLCJQZXJjZW50YWdlQ29tcGxldGVTaGFwZU9wYWNpdHkiOjM1LCJTaGFwZVN0eWxlIjp7IiRpZCI6IjE2NSIsIk1hcmdpbiI6eyIkcmVmIjoiMzIifSwiUGFkZGluZyI6eyIkcmVmIjoiMzMifSwiQmFja2dyb3VuZCI6eyIkaWQiOiIxNjYiLCJDb2xvciI6eyIkaWQiOiIxNjciLCJBIjoyNTUsIlIiOjkxLCJHIjoxNTUsIkIiOjIxM319LCJJc1Zpc2libGUiOnRydWUsIldpZHRoIjowLjAsIkhlaWdodCI6MTYuMCwiQm9yZGVyU3R5bGUiOnsiJGlkIjoiMTY4IiwiTGluZUNvbG9yIjp7IiRyZWYiOiIzNyJ9LCJMaW5lV2VpZ2h0IjowLjAsIkxpbmVUeXBlIjowLCJQYXJlbnRTdHlsZSI6bnVsbH0sIlBhcmVudFN0eWxlIjpudWxsfSwiVGl0bGVTdHlsZSI6eyIkaWQiOiIxNjkiLCJGb250U2V0dGluZ3MiOnsiJGlkIjoiMTcwIiwiRm9udFNpemUiOjExLCJGb250TmFtZSI6IkNhbGlicmkiLCJJc0JvbGQiOnRydWUsIklzSXRhbGljIjpmYWxzZSwiSXNVbmRlcmxpbmVkIjpmYWxzZSwiUGFyZW50U3R5bGUiOm51bGx9LCJBdXRvU2l6ZSI6MCwiRm9yZWdyb3VuZCI6eyIkaWQiOiIxNzEiLCJDb2xvciI6eyIkaWQiOiIxNzIiLCJBIjoyNTUsIlIiOjAsIkciOjAsIkIiOjB9fSwiTWF4V2lkdGgiOjcyMC4wLCJNYXhIZWlnaHQiOiJJbmZpbml0eSIsIlNtYXJ0Rm9yZWdyb3VuZElzQWN0aXZlIjpmYWxzZSwiSG9yaXpvbnRhbEFsaWdubWVudCI6MSwiVmVydGljYWxBbGlnbm1lbnQiOjAsIlNtYXJ0Rm9yZWdyb3VuZCI6bnVsbCwiQmFja2dyb3VuZEZpbGxUeXBlIjowLCJNYXJnaW4iOnsiJHJlZiI6IjQzIn0sIlBhZGRpbmciOnsiJHJlZiI6IjQ0In0sIkJhY2tncm91bmQiOnsiJGlkIjoiMTczIiwiQ29sb3IiOnsiJGlkIjoiMTc0IiwiQSI6MCwiUiI6MjU1LCJHIjoyNTUsIkIiOjI1NX19LCJJc1Zpc2libGUiOnRydWUsIldpZHRoIjowLjAsIkhlaWdodCI6MC4wLCJCb3JkZXJTdHlsZSI6eyIkaWQiOiIxNzUiLCJMaW5lQ29sb3IiOm51bGwsIkxpbmVXZWlnaHQiOjAuMCwiTGluZVR5cGUiOjAsIlBhcmVudFN0eWxlIjpudWxsfSwiUGFyZW50U3R5bGUiOm51bGx9LCJEYXRlU3R5bGUiOnsiJGlkIjoiMTc2IiwiRm9udFNldHRpbmdzIjp7IiRpZCI6IjE3NyIsIkZvbnRTaXplIjoxMCwiRm9udE5hbWUiOiJDYWxpYnJpIiwiSXNCb2xkIjpmYWxzZSwiSXNJdGFsaWMiOmZhbHNlLCJJc1VuZGVybGluZWQiOmZhbHNlLCJQYXJlbnRTdHlsZSI6bnVsbH0sIkF1dG9TaXplIjowLCJGb3JlZ3JvdW5kIjp7IiRpZCI6IjE3OCIsIkNvbG9yIjp7IiRpZCI6IjE3OSIsIkEiOjI1NSwiUiI6NjgsIkciOjg0LCJCIjoxMDZ9fSwiTWF4V2lkdGgiOjIwMC4wLCJNYXhIZWlnaHQiOiJJbmZpbml0eSIsIlNtYXJ0Rm9yZWdyb3VuZElzQWN0aXZlIjpmYWxzZSwiSG9yaXpvbnRhbEFsaWdubWVudCI6MSwiVmVydGljYWxBbGlnbm1lbnQiOjAsIlNtYXJ0Rm9yZWdyb3VuZCI6bnVsbCwiQmFja2dyb3VuZEZpbGxUeXBlIjowLCJNYXJnaW4iOnsiJHJlZiI6IjUyIn0sIlBhZGRpbmciOnsiJHJlZiI6IjUzIn0sIkJhY2tncm91bmQiOnsiJGlkIjoiMTgwIiwiQ29sb3IiOnsiJGlkIjoiMTgxIiwiQSI6MCwiUiI6MjU1LCJHIjoyNTUsIkIiOjI1NX19LCJJc1Zpc2libGUiOnRydWUsIldpZHRoIjowLjAsIkhlaWdodCI6MC4wLCJCb3JkZXJTdHlsZSI6eyIkaWQiOiIxODIiLCJMaW5lQ29sb3IiOm51bGwsIkxpbmVXZWlnaHQiOjAuMCwiTGluZVR5cGUiOjAsIlBhcmVudFN0eWxlIjpudWxsfSwiUGFyZW50U3R5bGUiOm51bGx9LCJEYXRlRm9ybWF0Ijp7IiRyZWYiOiI1NyJ9LCJXZWVrTnVtYmVyaW5nIjp7IiRpZCI6IjE4MyIsIkZvcm1hdCI6MCwiSXNWaXNpYmxlIjpmYWxzZSwiTGFzdEtub3duVmlzaWJpbGl0eVN0YXRlIjpmYWxzZX0sIklzVmlzaWJsZSI6dHJ1ZSwiUGFyZW50U3R5bGUiOm51bGx9LCJJbmRleCI6NCwiU21hcnREdXJhdGlvbkFjdGl2YXRlZCI6ZmFsc2UsIkRhdGVGb3JtYXQiOnsiJHJlZiI6IjU3In0sIldlZWtOdW1iZXJpbmciOnsiJGlkIjoiMTg0IiwiRm9ybWF0IjowLCJJc1Zpc2libGUiOmZhbHNlLCJMYXN0S25vd25WaXNpYmlsaXR5U3RhdGUiOmZhbHNlfSwiSWQiOiJlMTQwODEyMS04ZDRhLTQ0YTgtYWJjZS00OWU2ZjFhNzM3NDciLCJJbXBvcnRJZCI6bnVsbCwiVGl0bGUiOiJBZG1pbiBIb21lIFBhZ2UiLCJOb3RlIjpudWxsLCJIeXBlcmxpbmsiOnsiJGlkIjoiMTg1IiwiQWRkcmVzcyI6IiIsIlN1YkFkZHJlc3MiOiIifSwiSXNDaGFuZ2VkIjpmYWxzZSwiSXNOZXciOmZhbHNlfX1dLCJfbWlsZXN0b25lcyI6W10sIklkIjoiMDAwMDAwMDAtMDAwMC0wMDAwLTAwMDAtMDAwMDAwMDAwMDAwIiwiSXNTaW5nbGVJdGVtUm93Ijp0cnVlfSx7IiRpZCI6IjE4NiIsIl90YXNrcyI6W3siJGlkIjoiMTg3IiwiX2F0dGFjaGVkTWlsZXN0b25lcyI6W10sIlRhc2tEZWZpbml0aW9uIjp7IiRpZCI6IjE4OCIsIkdyb3VwTmFtZSI6bnVsbCwiU3RhcnREYXRlIjoiMjAyMi0wNS0wNlQwMDowMDowMFoiLCJFbmREYXRlIjoiMjAyMi0wNS0wOVQyMzo1OTowMFoiLCJQZXJjZW50YWdlQ29tcGxldGUiOm51bGwsIlN0eWxlIjp7IiRpZCI6IjE4OSIsIlNoYXBlIjoyLCJTaGFwZVRoaWNrbmVzcyI6MSwiRHVyYXRpb25Gb3JtYXQiOjAsIkluY2x1ZGVOb25Xb3JraW5nRGF5c0luRHVyYXRpb24iOmZhbHNlLCJQZXJjZW50YWdlQ29tcGxldGVTdHlsZSI6eyIkaWQiOiIxOTAiLCJGb250U2V0dGluZ3MiOnsiJGlkIjoiMTkxIiwiRm9udFNpemUiOjEwLCJGb250TmFtZSI6IkNhbGlicmkiLCJJc0JvbGQiOmZhbHNlLCJJc0l0YWxpYyI6ZmFsc2UsIklzVW5kZXJsaW5lZCI6ZmFsc2UsIlBhcmVudFN0eWxlIjpudWxsfSwiQXV0b1NpemUiOjAsIkZvcmVncm91bmQiOnsiJHJlZiI6IjEwIn0sIk1heFdpZHRoIjoyMDAuMCwiTWF4SGVpZ2h0IjoiSW5maW5pdHkiLCJTbWFydEZvcmVncm91bmRJc0FjdGl2ZSI6ZmFsc2UsIkhvcml6b250YWxBbGlnbm1lbnQiOjAsIlZlcnRpY2FsQWxpZ25tZW50IjowLCJTbWFydEZvcmVncm91bmQiOm51bGwsIkJhY2tncm91bmRGaWxsVHlwZSI6MCwiTWFyZ2luIjp7IiRyZWYiOiIxMiJ9LCJQYWRkaW5nIjp7IiRyZWYiOiIxMyJ9LCJCYWNrZ3JvdW5kIjp7IiRyZWYiOiIxNCJ9LCJJc1Zpc2libGUiOnRydWUsIldpZHRoIjowLjAsIkhlaWdodCI6MC4wLCJCb3JkZXJTdHlsZSI6eyIkaWQiOiIxOTIiLCJMaW5lQ29sb3IiOm51bGwsIkxpbmVXZWlnaHQiOjAuMCwiTGluZVR5cGUiOjAsIlBhcmVudFN0eWxlIjpudWxsfSwiUGFyZW50U3R5bGUiOm51bGx9LCJEdXJhdGlvblN0eWxlIjp7IiRpZCI6IjE5MyIsIkZvbnRTZXR0aW5ncyI6eyIkaWQiOiIxOTQiLCJGb250U2l6ZSI6MTAsIkZvbnROYW1lIjoiQ2FsaWJyaSIsIklzQm9sZCI6ZmFsc2UsIklzSXRhbGljIjpmYWxzZSwiSXNVbmRlcmxpbmVkIjpmYWxzZSwiUGFyZW50U3R5bGUiOm51bGx9LCJBdXRvU2l6ZSI6MCwiRm9yZWdyb3VuZCI6eyIkcmVmIjoiMTkifSwiTWF4V2lkdGgiOjIwMC4wLCJNYXhIZWlnaHQiOiJJbmZpbml0eSIsIlNtYXJ0Rm9yZWdyb3VuZElzQWN0aXZlIjpmYWxzZSwiSG9yaXpvbnRhbEFsaWdubWVudCI6MCwiVmVydGljYWxBbGlnbm1lbnQiOjAsIlNtYXJ0Rm9yZWdyb3VuZCI6bnVsbCwiQmFja2dyb3VuZEZpbGxUeXBlIjowLCJNYXJnaW4iOnsiJHJlZiI6IjIxIn0sIlBhZGRpbmciOnsiJHJlZiI6IjIyIn0sIkJhY2tncm91bmQiOnsiJHJlZiI6IjIzIn0sIklzVmlzaWJsZSI6dHJ1ZSwiV2lkdGgiOjAuMCwiSGVpZ2h0IjowLjAsIkJvcmRlclN0eWxlIjp7IiRpZCI6IjE5NSIsIkxpbmVDb2xvciI6bnVsbCwiTGluZVdlaWdodCI6MC4wLCJMaW5lVHlwZSI6MCwiUGFyZW50U3R5bGUiOm51bGx9LCJQYXJlbnRTdHlsZSI6bnVsbH0sIkhvcml6b250YWxDb25uZWN0b3JTdHlsZSI6eyIkaWQiOiIxOTYiLCJMaW5lQ29sb3IiOnsiJHJlZiI6IjI2In0sIkxpbmVXZWlnaHQiOjEuMCwiTGluZVR5cGUiOjAsIlBhcmVudFN0eWxlIjpudWxsfSwiVmVydGljYWxDb25uZWN0b3JTdHlsZSI6eyIkaWQiOiIxOTciLCJMaW5lQ29sb3IiOnsiJHJlZiI6IjI5In0sIkxpbmVXZWlnaHQiOjAuMCwiTGluZVR5cGUiOjAsIlBhcmVudFN0eWxlIjpudWxsfSwiTWFyZ2luIjpudWxsLCJTdGFydERhdGVQb3NpdGlvbiI6MywiRW5kRGF0ZVBvc2l0aW9uIjo0LCJEYXRlSXNWaXNpYmxlIjp0cnVlLCJUaXRsZVBvc2l0aW9uIjoyLCJEdXJhdGlvblBvc2l0aW9uIjo2LCJQZXJjZW50YWdlQ29tcGxldGVkUG9zaXRpb24iOjYsIlNwYWNpbmciOjUsIklzQmVsb3dUaW1lYmFuZCI6dHJ1ZSwiUGVyY2VudGFnZUNvbXBsZXRlU2hhcGVPcGFjaXR5IjozNSwiU2hhcGVTdHlsZSI6eyIkaWQiOiIxOTgiLCJNYXJnaW4iOnsiJHJlZiI6IjMyIn0sIlBhZGRpbmciOnsiJHJlZiI6IjMzIn0sIkJhY2tncm91bmQiOnsiJGlkIjoiMTk5IiwiQ29sb3IiOnsiJGlkIjoiMjAwIiwiQSI6MjU1LCJSIjo5MSwiRyI6MTU1LCJCIjoyMTN9fSwiSXNWaXNpYmxlIjp0cnVlLCJXaWR0aCI6MC4wLCJIZWlnaHQiOjE2LjAsIkJvcmRlclN0eWxlIjp7IiRpZCI6IjIwMSIsIkxpbmVDb2xvciI6eyIkcmVmIjoiMzcifSwiTGluZVdlaWdodCI6MC4wLCJMaW5lVHlwZSI6MCwiUGFyZW50U3R5bGUiOm51bGx9LCJQYXJlbnRTdHlsZSI6bnVsbH0sIlRpdGxlU3R5bGUiOnsiJGlkIjoiMjAyIiwiRm9udFNldHRpbmdzIjp7IiRpZCI6IjIwMyIsIkZvbnRTaXplIjoxMSwiRm9udE5hbWUiOiJDYWxpYnJpIiwiSXNCb2xkIjp0cnVlLCJJc0l0YWxpYyI6ZmFsc2UsIklzVW5kZXJsaW5lZCI6ZmFsc2UsIlBhcmVudFN0eWxlIjpudWxsfSwiQXV0b1NpemUiOjAsIkZvcmVncm91bmQiOnsiJGlkIjoiMjA0IiwiQ29sb3IiOnsiJGlkIjoiMjA1IiwiQSI6MjU1LCJSIjowLCJHIjowLCJCIjowfX0sIk1heFdpZHRoIjo3MjAuMCwiTWF4SGVpZ2h0IjoiSW5maW5pdHkiLCJTbWFydEZvcmVncm91bmRJc0FjdGl2ZSI6ZmFsc2UsIkhvcml6b250YWxBbGlnbm1lbnQiOjEsIlZlcnRpY2FsQWxpZ25tZW50IjowLCJTbWFydEZvcmVncm91bmQiOm51bGwsIkJhY2tncm91bmRGaWxsVHlwZSI6MCwiTWFyZ2luIjp7IiRyZWYiOiI0MyJ9LCJQYWRkaW5nIjp7IiRyZWYiOiI0NCJ9LCJCYWNrZ3JvdW5kIjp7IiRpZCI6IjIwNiIsIkNvbG9yIjp7IiRpZCI6IjIwNyIsIkEiOjAsIlIiOjI1NSwiRyI6MjU1LCJCIjoyNTV9fSwiSXNWaXNpYmxlIjp0cnVlLCJXaWR0aCI6MC4wLCJIZWlnaHQiOjAuMCwiQm9yZGVyU3R5bGUiOnsiJGlkIjoiMjA4IiwiTGluZUNvbG9yIjpudWxsLCJMaW5lV2VpZ2h0IjowLjAsIkxpbmVUeXBlIjowLCJQYXJlbnRTdHlsZSI6bnVsbH0sIlBhcmVudFN0eWxlIjpudWxsfSwiRGF0ZVN0eWxlIjp7IiRpZCI6IjIwOSIsIkZvbnRTZXR0aW5ncyI6eyIkaWQiOiIyMTAiLCJGb250U2l6ZSI6MTAsIkZvbnROYW1lIjoiQ2FsaWJyaSIsIklzQm9sZCI6ZmFsc2UsIklzSXRhbGljIjpmYWxzZSwiSXNVbmRlcmxpbmVkIjpmYWxzZSwiUGFyZW50U3R5bGUiOm51bGx9LCJBdXRvU2l6ZSI6MCwiRm9yZWdyb3VuZCI6eyIkaWQiOiIyMTEiLCJDb2xvciI6eyIkaWQiOiIyMTIiLCJBIjoyNTUsIlIiOjY4LCJHIjo4NCwiQiI6MTA2fX0sIk1heFdpZHRoIjoyMDAuMCwiTWF4SGVpZ2h0IjoiSW5maW5pdHkiLCJTbWFydEZvcmVncm91bmRJc0FjdGl2ZSI6ZmFsc2UsIkhvcml6b250YWxBbGlnbm1lbnQiOjEsIlZlcnRpY2FsQWxpZ25tZW50IjowLCJTbWFydEZvcmVncm91bmQiOm51bGwsIkJhY2tncm91bmRGaWxsVHlwZSI6MCwiTWFyZ2luIjp7IiRyZWYiOiI1MiJ9LCJQYWRkaW5nIjp7IiRyZWYiOiI1MyJ9LCJCYWNrZ3JvdW5kIjp7IiRpZCI6IjIxMyIsIkNvbG9yIjp7IiRpZCI6IjIxNCIsIkEiOjAsIlIiOjI1NSwiRyI6MjU1LCJCIjoyNTV9fSwiSXNWaXNpYmxlIjp0cnVlLCJXaWR0aCI6MC4wLCJIZWlnaHQiOjAuMCwiQm9yZGVyU3R5bGUiOnsiJGlkIjoiMjE1IiwiTGluZUNvbG9yIjpudWxsLCJMaW5lV2VpZ2h0IjowLjAsIkxpbmVUeXBlIjowLCJQYXJlbnRTdHlsZSI6bnVsbH0sIlBhcmVudFN0eWxlIjpudWxsfSwiRGF0ZUZvcm1hdCI6eyIkcmVmIjoiNTcifSwiV2Vla051bWJlcmluZyI6eyIkaWQiOiIyMTYiLCJGb3JtYXQiOjAsIklzVmlzaWJsZSI6ZmFsc2UsIkxhc3RLbm93blZpc2liaWxpdHlTdGF0ZSI6ZmFsc2V9LCJJc1Zpc2libGUiOnRydWUsIlBhcmVudFN0eWxlIjpudWxsfSwiSW5kZXgiOjUsIlNtYXJ0RHVyYXRpb25BY3RpdmF0ZWQiOmZhbHNlLCJEYXRlRm9ybWF0Ijp7IiRyZWYiOiI1NyJ9LCJXZWVrTnVtYmVyaW5nIjp7IiRpZCI6IjIxNyIsIkZvcm1hdCI6MCwiSXNWaXNpYmxlIjpmYWxzZSwiTGFzdEtub3duVmlzaWJpbGl0eVN0YXRlIjpmYWxzZX0sIklkIjoiZmQwMmQ2MWItNmU0MS00YmUwLTgxYWEtODE4N2FjZTJkYzVlIiwiSW1wb3J0SWQiOm51bGwsIlRpdGxlIjoiQWRkIEFkbWluIiwiTm90ZSI6bnVsbCwiSHlwZXJsaW5rIjp7IiRpZCI6IjIxOCIsIkFkZHJlc3MiOiIiLCJTdWJBZGRyZXNzIjoiIn0sIklzQ2hhbmdlZCI6ZmFsc2UsIklzTmV3IjpmYWxzZX19XSwiX21pbGVzdG9uZXMiOltdLCJJZCI6IjAwMDAwMDAwLTAwMDAtMDAwMC0wMDAwLTAwMDAwMDAwMDAwMCIsIklzU2luZ2xlSXRlbVJvdyI6dHJ1ZX0seyIkaWQiOiIyMTkiLCJfdGFza3MiOlt7IiRpZCI6IjIyMCIsIl9hdHRhY2hlZE1pbGVzdG9uZXMiOltdLCJUYXNrRGVmaW5pdGlvbiI6eyIkaWQiOiIyMjEiLCJHcm91cE5hbWUiOm51bGwsIlN0YXJ0RGF0ZSI6IjIwMjItMDUtMTFUMDA6MDA6MDBaIiwiRW5kRGF0ZSI6IjIwMjItMDUtMTNUMjM6NTk6MDBaIiwiUGVyY2VudGFnZUNvbXBsZXRlIjpudWxsLCJTdHlsZSI6eyIkaWQiOiIyMjIiLCJTaGFwZSI6MiwiU2hhcGVUaGlja25lc3MiOjEsIkR1cmF0aW9uRm9ybWF0IjowLCJJbmNsdWRlTm9uV29ya2luZ0RheXNJbkR1cmF0aW9uIjpmYWxzZSwiUGVyY2VudGFnZUNvbXBsZXRlU3R5bGUiOnsiJGlkIjoiMjIzIiwiRm9udFNldHRpbmdzIjp7IiRpZCI6IjIyNCIsIkZvbnRTaXplIjoxMCwiRm9udE5hbWUiOiJDYWxpYnJpIiwiSXNCb2xkIjpmYWxzZSwiSXNJdGFsaWMiOmZhbHNlLCJJc1VuZGVybGluZWQiOmZhbHNlLCJQYXJlbnRTdHlsZSI6bnVsbH0sIkF1dG9TaXplIjowLCJGb3JlZ3JvdW5kIjp7IiRyZWYiOiIxMCJ9LCJNYXhXaWR0aCI6MjAwLjAsIk1heEhlaWdodCI6IkluZmluaXR5IiwiU21hcnRGb3JlZ3JvdW5kSXNBY3RpdmUiOmZhbHNlLCJIb3Jpem9udGFsQWxpZ25tZW50IjowLCJWZXJ0aWNhbEFsaWdubWVudCI6MCwiU21hcnRGb3JlZ3JvdW5kIjpudWxsLCJCYWNrZ3JvdW5kRmlsbFR5cGUiOjAsIk1hcmdpbiI6eyIkcmVmIjoiMTIifSwiUGFkZGluZyI6eyIkcmVmIjoiMTMifSwiQmFja2dyb3VuZCI6eyIkcmVmIjoiMTQifSwiSXNWaXNpYmxlIjp0cnVlLCJXaWR0aCI6MC4wLCJIZWlnaHQiOjAuMCwiQm9yZGVyU3R5bGUiOnsiJGlkIjoiMjI1IiwiTGluZUNvbG9yIjpudWxsLCJMaW5lV2VpZ2h0IjowLjAsIkxpbmVUeXBlIjowLCJQYXJlbnRTdHlsZSI6bnVsbH0sIlBhcmVudFN0eWxlIjpudWxsfSwiRHVyYXRpb25TdHlsZSI6eyIkaWQiOiIyMjYiLCJGb250U2V0dGluZ3MiOnsiJGlkIjoiMjI3IiwiRm9udFNpemUiOjEwLCJGb250TmFtZSI6IkNhbGlicmkiLCJJc0JvbGQiOmZhbHNlLCJJc0l0YWxpYyI6ZmFsc2UsIklzVW5kZXJsaW5lZCI6ZmFsc2UsIlBhcmVudFN0eWxlIjpudWxsfSwiQXV0b1NpemUiOjAsIkZvcmVncm91bmQiOnsiJHJlZiI6IjE5In0sIk1heFdpZHRoIjoyMDAuMCwiTWF4SGVpZ2h0IjoiSW5maW5pdHkiLCJTbWFydEZvcmVncm91bmRJc0FjdGl2ZSI6ZmFsc2UsIkhvcml6b250YWxBbGlnbm1lbnQiOjAsIlZlcnRpY2FsQWxpZ25tZW50IjowLCJTbWFydEZvcmVncm91bmQiOm51bGwsIkJhY2tncm91bmRGaWxsVHlwZSI6MCwiTWFyZ2luIjp7IiRyZWYiOiIyMSJ9LCJQYWRkaW5nIjp7IiRyZWYiOiIyMiJ9LCJCYWNrZ3JvdW5kIjp7IiRyZWYiOiIyMyJ9LCJJc1Zpc2libGUiOnRydWUsIldpZHRoIjowLjAsIkhlaWdodCI6MC4wLCJCb3JkZXJTdHlsZSI6eyIkaWQiOiIyMjgiLCJMaW5lQ29sb3IiOm51bGwsIkxpbmVXZWlnaHQiOjAuMCwiTGluZVR5cGUiOjAsIlBhcmVudFN0eWxlIjpudWxsfSwiUGFyZW50U3R5bGUiOm51bGx9LCJIb3Jpem9udGFsQ29ubmVjdG9yU3R5bGUiOnsiJGlkIjoiMjI5IiwiTGluZUNvbG9yIjp7IiRyZWYiOiIyNiJ9LCJMaW5lV2VpZ2h0IjoxLjAsIkxpbmVUeXBlIjowLCJQYXJlbnRTdHlsZSI6bnVsbH0sIlZlcnRpY2FsQ29ubmVjdG9yU3R5bGUiOnsiJGlkIjoiMjMwIiwiTGluZUNvbG9yIjp7IiRyZWYiOiIyOSJ9LCJMaW5lV2VpZ2h0IjowLjAsIkxpbmVUeXBlIjowLCJQYXJlbnRTdHlsZSI6bnVsbH0sIk1hcmdpbiI6bnVsbCwiU3RhcnREYXRlUG9zaXRpb24iOjMsIkVuZERhdGVQb3NpdGlvbiI6NCwiRGF0ZUlzVmlzaWJsZSI6dHJ1ZSwiVGl0bGVQb3NpdGlvbiI6MiwiRHVyYXRpb25Qb3NpdGlvbiI6NiwiUGVyY2VudGFnZUNvbXBsZXRlZFBvc2l0aW9uIjo2LCJTcGFjaW5nIjo1LCJJc0JlbG93VGltZWJhbmQiOnRydWUsIlBlcmNlbnRhZ2VDb21wbGV0ZVNoYXBlT3BhY2l0eSI6MzUsIlNoYXBlU3R5bGUiOnsiJGlkIjoiMjMxIiwiTWFyZ2luIjp7IiRyZWYiOiIzMiJ9LCJQYWRkaW5nIjp7IiRyZWYiOiIzMyJ9LCJCYWNrZ3JvdW5kIjp7IiRpZCI6IjIzMiIsIkNvbG9yIjp7IiRpZCI6IjIzMyIsIkEiOjI1NSwiUiI6OTEsIkciOjE1NSwiQiI6MjEzfX0sIklzVmlzaWJsZSI6dHJ1ZSwiV2lkdGgiOjAuMCwiSGVpZ2h0IjoxNi4wLCJCb3JkZXJTdHlsZSI6eyIkaWQiOiIyMzQiLCJMaW5lQ29sb3IiOnsiJHJlZiI6IjM3In0sIkxpbmVXZWlnaHQiOjAuMCwiTGluZVR5cGUiOjAsIlBhcmVudFN0eWxlIjpudWxsfSwiUGFyZW50U3R5bGUiOm51bGx9LCJUaXRsZVN0eWxlIjp7IiRpZCI6IjIzNSIsIkZvbnRTZXR0aW5ncyI6eyIkaWQiOiIyMzYiLCJGb250U2l6ZSI6MTEsIkZvbnROYW1lIjoiQ2FsaWJyaSIsIklzQm9sZCI6dHJ1ZSwiSXNJdGFsaWMiOmZhbHNlLCJJc1VuZGVybGluZWQiOmZhbHNlLCJQYXJlbnRTdHlsZSI6bnVsbH0sIkF1dG9TaXplIjowLCJGb3JlZ3JvdW5kIjp7IiRpZCI6IjIzNyIsIkNvbG9yIjp7IiRpZCI6IjIzOCIsIkEiOjI1NSwiUiI6MCwiRyI6MCwiQiI6MH19LCJNYXhXaWR0aCI6NzIwLjAsIk1heEhlaWdodCI6IkluZmluaXR5IiwiU21hcnRGb3JlZ3JvdW5kSXNBY3RpdmUiOmZhbHNlLCJIb3Jpem9udGFsQWxpZ25tZW50IjoxLCJWZXJ0aWNhbEFsaWdubWVudCI6MCwiU21hcnRGb3JlZ3JvdW5kIjpudWxsLCJCYWNrZ3JvdW5kRmlsbFR5cGUiOjAsIk1hcmdpbiI6eyIkcmVmIjoiNDMifSwiUGFkZGluZyI6eyIkcmVmIjoiNDQifSwiQmFja2dyb3VuZCI6eyIkaWQiOiIyMzkiLCJDb2xvciI6eyIkaWQiOiIyNDAiLCJBIjowLCJSIjoyNTUsIkciOjI1NSwiQiI6MjU1fX0sIklzVmlzaWJsZSI6dHJ1ZSwiV2lkdGgiOjAuMCwiSGVpZ2h0IjowLjAsIkJvcmRlclN0eWxlIjp7IiRpZCI6IjI0MSIsIkxpbmVDb2xvciI6bnVsbCwiTGluZVdlaWdodCI6MC4wLCJMaW5lVHlwZSI6MCwiUGFyZW50U3R5bGUiOm51bGx9LCJQYXJlbnRTdHlsZSI6bnVsbH0sIkRhdGVTdHlsZSI6eyIkaWQiOiIyNDIiLCJGb250U2V0dGluZ3MiOnsiJGlkIjoiMjQzIiwiRm9udFNpemUiOjEwLCJGb250TmFtZSI6IkNhbGlicmkiLCJJc0JvbGQiOmZhbHNlLCJJc0l0YWxpYyI6ZmFsc2UsIklzVW5kZXJsaW5lZCI6ZmFsc2UsIlBhcmVudFN0eWxlIjpudWxsfSwiQXV0b1NpemUiOjAsIkZvcmVncm91bmQiOnsiJGlkIjoiMjQ0IiwiQ29sb3IiOnsiJGlkIjoiMjQ1IiwiQSI6MjU1LCJSIjo2OCwiRyI6ODQsIkIiOjEwNn19LCJNYXhXaWR0aCI6MjAwLjAsIk1heEhlaWdodCI6IkluZmluaXR5IiwiU21hcnRGb3JlZ3JvdW5kSXNBY3RpdmUiOmZhbHNlLCJIb3Jpem9udGFsQWxpZ25tZW50IjoxLCJWZXJ0aWNhbEFsaWdubWVudCI6MCwiU21hcnRGb3JlZ3JvdW5kIjpudWxsLCJCYWNrZ3JvdW5kRmlsbFR5cGUiOjAsIk1hcmdpbiI6eyIkcmVmIjoiNTIifSwiUGFkZGluZyI6eyIkcmVmIjoiNTMifSwiQmFja2dyb3VuZCI6eyIkaWQiOiIyNDYiLCJDb2xvciI6eyIkaWQiOiIyNDciLCJBIjowLCJSIjoyNTUsIkciOjI1NSwiQiI6MjU1fX0sIklzVmlzaWJsZSI6dHJ1ZSwiV2lkdGgiOjAuMCwiSGVpZ2h0IjowLjAsIkJvcmRlclN0eWxlIjp7IiRpZCI6IjI0OCIsIkxpbmVDb2xvciI6bnVsbCwiTGluZVdlaWdodCI6MC4wLCJMaW5lVHlwZSI6MCwiUGFyZW50U3R5bGUiOm51bGx9LCJQYXJlbnRTdHlsZSI6bnVsbH0sIkRhdGVGb3JtYXQiOnsiJHJlZiI6IjU3In0sIldlZWtOdW1iZXJpbmciOnsiJGlkIjoiMjQ5IiwiRm9ybWF0IjowLCJJc1Zpc2libGUiOmZhbHNlLCJMYXN0S25vd25WaXNpYmlsaXR5U3RhdGUiOmZhbHNlfSwiSXNWaXNpYmxlIjp0cnVlLCJQYXJlbnRTdHlsZSI6bnVsbH0sIkluZGV4Ijo2LCJTbWFydER1cmF0aW9uQWN0aXZhdGVkIjpmYWxzZSwiRGF0ZUZvcm1hdCI6eyIkcmVmIjoiNTcifSwiV2Vla051bWJlcmluZyI6eyIkaWQiOiIyNTAiLCJGb3JtYXQiOjAsIklzVmlzaWJsZSI6ZmFsc2UsIkxhc3RLbm93blZpc2liaWxpdHlTdGF0ZSI6ZmFsc2V9LCJJZCI6ImZlNDk4MDlkLWFlYTgtNDJhNy05MmJkLWE4ZTUyMDg4NDYwYiIsIkltcG9ydElkIjpudWxsLCJUaXRsZSI6IkFkZCBVc2VyIiwiTm90ZSI6bnVsbCwiSHlwZXJsaW5rIjp7IiRpZCI6IjI1MSIsIkFkZHJlc3MiOiIiLCJTdWJBZGRyZXNzIjoiIn0sIklzQ2hhbmdlZCI6ZmFsc2UsIklzTmV3IjpmYWxzZX19XSwiX21pbGVzdG9uZXMiOltdLCJJZCI6IjAwMDAwMDAwLTAwMDAtMDAwMC0wMDAwLTAwMDAwMDAwMDAwMCIsIklzU2luZ2xlSXRlbVJvdyI6dHJ1ZX0seyIkaWQiOiIyNTIiLCJfdGFza3MiOlt7IiRpZCI6IjI1MyIsIl9hdHRhY2hlZE1pbGVzdG9uZXMiOltdLCJUYXNrRGVmaW5pdGlvbiI6eyIkaWQiOiIyNTQiLCJHcm91cE5hbWUiOm51bGwsIlN0YXJ0RGF0ZSI6IjIwMjItMDUtMDlUMDA6MDA6MDBaIiwiRW5kRGF0ZSI6IjIwMjItMDUtMTNUMjM6NTk6MDBaIiwiUGVyY2VudGFnZUNvbXBsZXRlIjpudWxsLCJTdHlsZSI6eyIkaWQiOiIyNTUiLCJTaGFwZSI6MiwiU2hhcGVUaGlja25lc3MiOjEsIkR1cmF0aW9uRm9ybWF0IjowLCJJbmNsdWRlTm9uV29ya2luZ0RheXNJbkR1cmF0aW9uIjpmYWxzZSwiUGVyY2VudGFnZUNvbXBsZXRlU3R5bGUiOnsiJGlkIjoiMjU2IiwiRm9udFNldHRpbmdzIjp7IiRpZCI6IjI1NyIsIkZvbnRTaXplIjoxMCwiRm9udE5hbWUiOiJDYWxpYnJpIiwiSXNCb2xkIjpmYWxzZSwiSXNJdGFsaWMiOmZhbHNlLCJJc1VuZGVybGluZWQiOmZhbHNlLCJQYXJlbnRTdHlsZSI6bnVsbH0sIkF1dG9TaXplIjowLCJGb3JlZ3JvdW5kIjp7IiRyZWYiOiIxMCJ9LCJNYXhXaWR0aCI6MjAwLjAsIk1heEhlaWdodCI6IkluZmluaXR5IiwiU21hcnRGb3JlZ3JvdW5kSXNBY3RpdmUiOmZhbHNlLCJIb3Jpem9udGFsQWxpZ25tZW50IjowLCJWZXJ0aWNhbEFsaWdubWVudCI6MCwiU21hcnRGb3JlZ3JvdW5kIjpudWxsLCJCYWNrZ3JvdW5kRmlsbFR5cGUiOjAsIk1hcmdpbiI6eyIkcmVmIjoiMTIifSwiUGFkZGluZyI6eyIkcmVmIjoiMTMifSwiQmFja2dyb3VuZCI6eyIkcmVmIjoiMTQifSwiSXNWaXNpYmxlIjp0cnVlLCJXaWR0aCI6MC4wLCJIZWlnaHQiOjAuMCwiQm9yZGVyU3R5bGUiOnsiJGlkIjoiMjU4IiwiTGluZUNvbG9yIjpudWxsLCJMaW5lV2VpZ2h0IjowLjAsIkxpbmVUeXBlIjowLCJQYXJlbnRTdHlsZSI6bnVsbH0sIlBhcmVudFN0eWxlIjpudWxsfSwiRHVyYXRpb25TdHlsZSI6eyIkaWQiOiIyNTkiLCJGb250U2V0dGluZ3MiOnsiJGlkIjoiMjYwIiwiRm9udFNpemUiOjEwLCJGb250TmFtZSI6IkNhbGlicmkiLCJJc0JvbGQiOmZhbHNlLCJJc0l0YWxpYyI6ZmFsc2UsIklzVW5kZXJsaW5lZCI6ZmFsc2UsIlBhcmVudFN0eWxlIjpudWxsfSwiQXV0b1NpemUiOjAsIkZvcmVncm91bmQiOnsiJHJlZiI6IjE5In0sIk1heFdpZHRoIjoyMDAuMCwiTWF4SGVpZ2h0IjoiSW5maW5pdHkiLCJTbWFydEZvcmVncm91bmRJc0FjdGl2ZSI6ZmFsc2UsIkhvcml6b250YWxBbGlnbm1lbnQiOjAsIlZlcnRpY2FsQWxpZ25tZW50IjowLCJTbWFydEZvcmVncm91bmQiOm51bGwsIkJhY2tncm91bmRGaWxsVHlwZSI6MCwiTWFyZ2luIjp7IiRyZWYiOiIyMSJ9LCJQYWRkaW5nIjp7IiRyZWYiOiIyMiJ9LCJCYWNrZ3JvdW5kIjp7IiRyZWYiOiIyMyJ9LCJJc1Zpc2libGUiOnRydWUsIldpZHRoIjowLjAsIkhlaWdodCI6MC4wLCJCb3JkZXJTdHlsZSI6eyIkaWQiOiIyNjEiLCJMaW5lQ29sb3IiOm51bGwsIkxpbmVXZWlnaHQiOjAuMCwiTGluZVR5cGUiOjAsIlBhcmVudFN0eWxlIjpudWxsfSwiUGFyZW50U3R5bGUiOm51bGx9LCJIb3Jpem9udGFsQ29ubmVjdG9yU3R5bGUiOnsiJGlkIjoiMjYyIiwiTGluZUNvbG9yIjp7IiRyZWYiOiIyNiJ9LCJMaW5lV2VpZ2h0IjoxLjAsIkxpbmVUeXBlIjowLCJQYXJlbnRTdHlsZSI6bnVsbH0sIlZlcnRpY2FsQ29ubmVjdG9yU3R5bGUiOnsiJGlkIjoiMjYzIiwiTGluZUNvbG9yIjp7IiRyZWYiOiIyOSJ9LCJMaW5lV2VpZ2h0IjowLjAsIkxpbmVUeXBlIjowLCJQYXJlbnRTdHlsZSI6bnVsbH0sIk1hcmdpbiI6bnVsbCwiU3RhcnREYXRlUG9zaXRpb24iOjMsIkVuZERhdGVQb3NpdGlvbiI6NCwiRGF0ZUlzVmlzaWJsZSI6dHJ1ZSwiVGl0bGVQb3NpdGlvbiI6MiwiRHVyYXRpb25Qb3NpdGlvbiI6NiwiUGVyY2VudGFnZUNvbXBsZXRlZFBvc2l0aW9uIjo2LCJTcGFjaW5nIjo1LCJJc0JlbG93VGltZWJhbmQiOnRydWUsIlBlcmNlbnRhZ2VDb21wbGV0ZVNoYXBlT3BhY2l0eSI6MzUsIlNoYXBlU3R5bGUiOnsiJGlkIjoiMjY0IiwiTWFyZ2luIjp7IiRyZWYiOiIzMiJ9LCJQYWRkaW5nIjp7IiRyZWYiOiIzMyJ9LCJCYWNrZ3JvdW5kIjp7IiRpZCI6IjI2NSIsIkNvbG9yIjp7IiRpZCI6IjI2NiIsIkEiOjI1NSwiUiI6OTEsIkciOjE1NSwiQiI6MjEzfX0sIklzVmlzaWJsZSI6dHJ1ZSwiV2lkdGgiOjAuMCwiSGVpZ2h0IjoxNi4wLCJCb3JkZXJTdHlsZSI6eyIkaWQiOiIyNjciLCJMaW5lQ29sb3IiOnsiJHJlZiI6IjM3In0sIkxpbmVXZWlnaHQiOjAuMCwiTGluZVR5cGUiOjAsIlBhcmVudFN0eWxlIjpudWxsfSwiUGFyZW50U3R5bGUiOm51bGx9LCJUaXRsZVN0eWxlIjp7IiRpZCI6IjI2OCIsIkZvbnRTZXR0aW5ncyI6eyIkaWQiOiIyNjkiLCJGb250U2l6ZSI6MTEsIkZvbnROYW1lIjoiQ2FsaWJyaSIsIklzQm9sZCI6dHJ1ZSwiSXNJdGFsaWMiOmZhbHNlLCJJc1VuZGVybGluZWQiOmZhbHNlLCJQYXJlbnRTdHlsZSI6bnVsbH0sIkF1dG9TaXplIjowLCJGb3JlZ3JvdW5kIjp7IiRpZCI6IjI3MCIsIkNvbG9yIjp7IiRpZCI6IjI3MSIsIkEiOjI1NSwiUiI6MCwiRyI6MCwiQiI6MH19LCJNYXhXaWR0aCI6NzIwLjAsIk1heEhlaWdodCI6IkluZmluaXR5IiwiU21hcnRGb3JlZ3JvdW5kSXNBY3RpdmUiOmZhbHNlLCJIb3Jpem9udGFsQWxpZ25tZW50IjoxLCJWZXJ0aWNhbEFsaWdubWVudCI6MCwiU21hcnRGb3JlZ3JvdW5kIjpudWxsLCJCYWNrZ3JvdW5kRmlsbFR5cGUiOjAsIk1hcmdpbiI6eyIkcmVmIjoiNDMifSwiUGFkZGluZyI6eyIkcmVmIjoiNDQifSwiQmFja2dyb3VuZCI6eyIkaWQiOiIyNzIiLCJDb2xvciI6eyIkaWQiOiIyNzMiLCJBIjowLCJSIjoyNTUsIkciOjI1NSwiQiI6MjU1fX0sIklzVmlzaWJsZSI6dHJ1ZSwiV2lkdGgiOjAuMCwiSGVpZ2h0IjowLjAsIkJvcmRlclN0eWxlIjp7IiRpZCI6IjI3NCIsIkxpbmVDb2xvciI6bnVsbCwiTGluZVdlaWdodCI6MC4wLCJMaW5lVHlwZSI6MCwiUGFyZW50U3R5bGUiOm51bGx9LCJQYXJlbnRTdHlsZSI6bnVsbH0sIkRhdGVTdHlsZSI6eyIkaWQiOiIyNzUiLCJGb250U2V0dGluZ3MiOnsiJGlkIjoiMjc2IiwiRm9udFNpemUiOjEwLCJGb250TmFtZSI6IkNhbGlicmkiLCJJc0JvbGQiOmZhbHNlLCJJc0l0YWxpYyI6ZmFsc2UsIklzVW5kZXJsaW5lZCI6ZmFsc2UsIlBhcmVudFN0eWxlIjpudWxsfSwiQXV0b1NpemUiOjAsIkZvcmVncm91bmQiOnsiJGlkIjoiMjc3IiwiQ29sb3IiOnsiJGlkIjoiMjc4IiwiQSI6MjU1LCJSIjo2OCwiRyI6ODQsIkIiOjEwNn19LCJNYXhXaWR0aCI6MjAwLjAsIk1heEhlaWdodCI6IkluZmluaXR5IiwiU21hcnRGb3JlZ3JvdW5kSXNBY3RpdmUiOmZhbHNlLCJIb3Jpem9udGFsQWxpZ25tZW50IjoxLCJWZXJ0aWNhbEFsaWdubWVudCI6MCwiU21hcnRGb3JlZ3JvdW5kIjpudWxsLCJCYWNrZ3JvdW5kRmlsbFR5cGUiOjAsIk1hcmdpbiI6eyIkcmVmIjoiNTIifSwiUGFkZGluZyI6eyIkcmVmIjoiNTMifSwiQmFja2dyb3VuZCI6eyIkaWQiOiIyNzkiLCJDb2xvciI6eyIkaWQiOiIyODAiLCJBIjowLCJSIjoyNTUsIkciOjI1NSwiQiI6MjU1fX0sIklzVmlzaWJsZSI6dHJ1ZSwiV2lkdGgiOjAuMCwiSGVpZ2h0IjowLjAsIkJvcmRlclN0eWxlIjp7IiRpZCI6IjI4MSIsIkxpbmVDb2xvciI6bnVsbCwiTGluZVdlaWdodCI6MC4wLCJMaW5lVHlwZSI6MCwiUGFyZW50U3R5bGUiOm51bGx9LCJQYXJlbnRTdHlsZSI6bnVsbH0sIkRhdGVGb3JtYXQiOnsiJHJlZiI6IjU3In0sIldlZWtOdW1iZXJpbmciOnsiJGlkIjoiMjgyIiwiRm9ybWF0IjowLCJJc1Zpc2libGUiOmZhbHNlLCJMYXN0S25vd25WaXNpYmlsaXR5U3RhdGUiOmZhbHNlfSwiSXNWaXNpYmxlIjp0cnVlLCJQYXJlbnRTdHlsZSI6bnVsbH0sIkluZGV4Ijo3LCJTbWFydER1cmF0aW9uQWN0aXZhdGVkIjpmYWxzZSwiRGF0ZUZvcm1hdCI6eyIkcmVmIjoiNTcifSwiV2Vla051bWJlcmluZyI6eyIkaWQiOiIyODMiLCJGb3JtYXQiOjAsIklzVmlzaWJsZSI6ZmFsc2UsIkxhc3RLbm93blZpc2liaWxpdHlTdGF0ZSI6ZmFsc2V9LCJJZCI6IjBkNDAwYTAyLTAyYjAtNDI2NC1iNTJmLTExMDgxZWVmNmVhMCIsIkltcG9ydElkIjpudWxsLCJUaXRsZSI6IkFkZCBDYXIiLCJOb3RlIjpudWxsLCJIeXBlcmxpbmsiOnsiJGlkIjoiMjg0IiwiQWRkcmVzcyI6IiIsIlN1YkFkZHJlc3MiOiIifSwiSXNDaGFuZ2VkIjpmYWxzZSwiSXNOZXciOmZhbHNlfX1dLCJfbWlsZXN0b25lcyI6W10sIklkIjoiMDAwMDAwMDAtMDAwMC0wMDAwLTAwMDAtMDAwMDAwMDAwMDAwIiwiSXNTaW5nbGVJdGVtUm93Ijp0cnVlfSx7IiRpZCI6IjI4NSIsIl90YXNrcyI6W3siJGlkIjoiMjg2IiwiX2F0dGFjaGVkTWlsZXN0b25lcyI6W10sIlRhc2tEZWZpbml0aW9uIjp7IiRpZCI6IjI4NyIsIkdyb3VwTmFtZSI6bnVsbCwiU3RhcnREYXRlIjoiMjAyMi0wNS0xMFQwMDowMDowMFoiLCJFbmREYXRlIjoiMjAyMi0wNS0xM1QyMzo1OTowMFoiLCJQZXJjZW50YWdlQ29tcGxldGUiOm51bGwsIlN0eWxlIjp7IiRpZCI6IjI4OCIsIlNoYXBlIjoyLCJTaGFwZVRoaWNrbmVzcyI6MSwiRHVyYXRpb25Gb3JtYXQiOjAsIkluY2x1ZGVOb25Xb3JraW5nRGF5c0luRHVyYXRpb24iOmZhbHNlLCJQZXJjZW50YWdlQ29tcGxldGVTdHlsZSI6eyIkaWQiOiIyODkiLCJGb250U2V0dGluZ3MiOnsiJGlkIjoiMjkwIiwiRm9udFNpemUiOjEwLCJGb250TmFtZSI6IkNhbGlicmkiLCJJc0JvbGQiOmZhbHNlLCJJc0l0YWxpYyI6ZmFsc2UsIklzVW5kZXJsaW5lZCI6ZmFsc2UsIlBhcmVudFN0eWxlIjpudWxsfSwiQXV0b1NpemUiOjAsIkZvcmVncm91bmQiOnsiJHJlZiI6IjEwIn0sIk1heFdpZHRoIjoyMDAuMCwiTWF4SGVpZ2h0IjoiSW5maW5pdHkiLCJTbWFydEZvcmVncm91bmRJc0FjdGl2ZSI6ZmFsc2UsIkhvcml6b250YWxBbGlnbm1lbnQiOjAsIlZlcnRpY2FsQWxpZ25tZW50IjowLCJTbWFydEZvcmVncm91bmQiOm51bGwsIkJhY2tncm91bmRGaWxsVHlwZSI6MCwiTWFyZ2luIjp7IiRyZWYiOiIxMiJ9LCJQYWRkaW5nIjp7IiRyZWYiOiIxMyJ9LCJCYWNrZ3JvdW5kIjp7IiRyZWYiOiIxNCJ9LCJJc1Zpc2libGUiOnRydWUsIldpZHRoIjowLjAsIkhlaWdodCI6MC4wLCJCb3JkZXJTdHlsZSI6eyIkaWQiOiIyOTEiLCJMaW5lQ29sb3IiOm51bGwsIkxpbmVXZWlnaHQiOjAuMCwiTGluZVR5cGUiOjAsIlBhcmVudFN0eWxlIjpudWxsfSwiUGFyZW50U3R5bGUiOm51bGx9LCJEdXJhdGlvblN0eWxlIjp7IiRpZCI6IjI5MiIsIkZvbnRTZXR0aW5ncyI6eyIkaWQiOiIyOTMiLCJGb250U2l6ZSI6MTAsIkZvbnROYW1lIjoiQ2FsaWJyaSIsIklzQm9sZCI6ZmFsc2UsIklzSXRhbGljIjpmYWxzZSwiSXNVbmRlcmxpbmVkIjpmYWxzZSwiUGFyZW50U3R5bGUiOm51bGx9LCJBdXRvU2l6ZSI6MCwiRm9yZWdyb3VuZCI6eyIkcmVmIjoiMTkifSwiTWF4V2lkdGgiOjIwMC4wLCJNYXhIZWlnaHQiOiJJbmZpbml0eSIsIlNtYXJ0Rm9yZWdyb3VuZElzQWN0aXZlIjpmYWxzZSwiSG9yaXpvbnRhbEFsaWdubWVudCI6MCwiVmVydGljYWxBbGlnbm1lbnQiOjAsIlNtYXJ0Rm9yZWdyb3VuZCI6bnVsbCwiQmFja2dyb3VuZEZpbGxUeXBlIjowLCJNYXJnaW4iOnsiJHJlZiI6IjIxIn0sIlBhZGRpbmciOnsiJHJlZiI6IjIyIn0sIkJhY2tncm91bmQiOnsiJHJlZiI6IjIzIn0sIklzVmlzaWJsZSI6dHJ1ZSwiV2lkdGgiOjAuMCwiSGVpZ2h0IjowLjAsIkJvcmRlclN0eWxlIjp7IiRpZCI6IjI5NCIsIkxpbmVDb2xvciI6bnVsbCwiTGluZVdlaWdodCI6MC4wLCJMaW5lVHlwZSI6MCwiUGFyZW50U3R5bGUiOm51bGx9LCJQYXJlbnRTdHlsZSI6bnVsbH0sIkhvcml6b250YWxDb25uZWN0b3JTdHlsZSI6eyIkaWQiOiIyOTUiLCJMaW5lQ29sb3IiOnsiJHJlZiI6IjI2In0sIkxpbmVXZWlnaHQiOjEuMCwiTGluZVR5cGUiOjAsIlBhcmVudFN0eWxlIjpudWxsfSwiVmVydGljYWxDb25uZWN0b3JTdHlsZSI6eyIkaWQiOiIyOTYiLCJMaW5lQ29sb3IiOnsiJHJlZiI6IjI5In0sIkxpbmVXZWlnaHQiOjAuMCwiTGluZVR5cGUiOjAsIlBhcmVudFN0eWxlIjpudWxsfSwiTWFyZ2luIjpudWxsLCJTdGFydERhdGVQb3NpdGlvbiI6MywiRW5kRGF0ZVBvc2l0aW9uIjo0LCJEYXRlSXNWaXNpYmxlIjp0cnVlLCJUaXRsZVBvc2l0aW9uIjoyLCJEdXJhdGlvblBvc2l0aW9uIjo2LCJQZXJjZW50YWdlQ29tcGxldGVkUG9zaXRpb24iOjYsIlNwYWNpbmciOjUsIklzQmVsb3dUaW1lYmFuZCI6dHJ1ZSwiUGVyY2VudGFnZUNvbXBsZXRlU2hhcGVPcGFjaXR5IjozNSwiU2hhcGVTdHlsZSI6eyIkaWQiOiIyOTciLCJNYXJnaW4iOnsiJHJlZiI6IjMyIn0sIlBhZGRpbmciOnsiJHJlZiI6IjMzIn0sIkJhY2tncm91bmQiOnsiJGlkIjoiMjk4IiwiQ29sb3IiOnsiJGlkIjoiMjk5IiwiQSI6MjU1LCJSIjo5MSwiRyI6MTU1LCJCIjoyMTN9fSwiSXNWaXNpYmxlIjp0cnVlLCJXaWR0aCI6MC4wLCJIZWlnaHQiOjE2LjAsIkJvcmRlclN0eWxlIjp7IiRpZCI6IjMwMCIsIkxpbmVDb2xvciI6eyIkcmVmIjoiMzcifSwiTGluZVdlaWdodCI6MC4wLCJMaW5lVHlwZSI6MCwiUGFyZW50U3R5bGUiOm51bGx9LCJQYXJlbnRTdHlsZSI6bnVsbH0sIlRpdGxlU3R5bGUiOnsiJGlkIjoiMzAxIiwiRm9udFNldHRpbmdzIjp7IiRpZCI6IjMwMiIsIkZvbnRTaXplIjoxMSwiRm9udE5hbWUiOiJDYWxpYnJpIiwiSXNCb2xkIjp0cnVlLCJJc0l0YWxpYyI6ZmFsc2UsIklzVW5kZXJsaW5lZCI6ZmFsc2UsIlBhcmVudFN0eWxlIjpudWxsfSwiQXV0b1NpemUiOjAsIkZvcmVncm91bmQiOnsiJGlkIjoiMzAzIiwiQ29sb3IiOnsiJGlkIjoiMzA0IiwiQSI6MjU1LCJSIjowLCJHIjowLCJCIjowfX0sIk1heFdpZHRoIjo3MjAuMCwiTWF4SGVpZ2h0IjoiSW5maW5pdHkiLCJTbWFydEZvcmVncm91bmRJc0FjdGl2ZSI6ZmFsc2UsIkhvcml6b250YWxBbGlnbm1lbnQiOjEsIlZlcnRpY2FsQWxpZ25tZW50IjowLCJTbWFydEZvcmVncm91bmQiOm51bGwsIkJhY2tncm91bmRGaWxsVHlwZSI6MCwiTWFyZ2luIjp7IiRyZWYiOiI0MyJ9LCJQYWRkaW5nIjp7IiRyZWYiOiI0NCJ9LCJCYWNrZ3JvdW5kIjp7IiRpZCI6IjMwNSIsIkNvbG9yIjp7IiRpZCI6IjMwNiIsIkEiOjAsIlIiOjI1NSwiRyI6MjU1LCJCIjoyNTV9fSwiSXNWaXNpYmxlIjp0cnVlLCJXaWR0aCI6MC4wLCJIZWlnaHQiOjAuMCwiQm9yZGVyU3R5bGUiOnsiJGlkIjoiMzA3IiwiTGluZUNvbG9yIjpudWxsLCJMaW5lV2VpZ2h0IjowLjAsIkxpbmVUeXBlIjowLCJQYXJlbnRTdHlsZSI6bnVsbH0sIlBhcmVudFN0eWxlIjpudWxsfSwiRGF0ZVN0eWxlIjp7IiRpZCI6IjMwOCIsIkZvbnRTZXR0aW5ncyI6eyIkaWQiOiIzMDkiLCJGb250U2l6ZSI6MTAsIkZvbnROYW1lIjoiQ2FsaWJyaSIsIklzQm9sZCI6ZmFsc2UsIklzSXRhbGljIjpmYWxzZSwiSXNVbmRlcmxpbmVkIjpmYWxzZSwiUGFyZW50U3R5bGUiOm51bGx9LCJBdXRvU2l6ZSI6MCwiRm9yZWdyb3VuZCI6eyIkaWQiOiIzMTAiLCJDb2xvciI6eyIkaWQiOiIzMTEiLCJBIjoyNTUsIlIiOjY4LCJHIjo4NCwiQiI6MTA2fX0sIk1heFdpZHRoIjoyMDAuMCwiTWF4SGVpZ2h0IjoiSW5maW5pdHkiLCJTbWFydEZvcmVncm91bmRJc0FjdGl2ZSI6ZmFsc2UsIkhvcml6b250YWxBbGlnbm1lbnQiOjEsIlZlcnRpY2FsQWxpZ25tZW50IjowLCJTbWFydEZvcmVncm91bmQiOm51bGwsIkJhY2tncm91bmRGaWxsVHlwZSI6MCwiTWFyZ2luIjp7IiRyZWYiOiI1MiJ9LCJQYWRkaW5nIjp7IiRyZWYiOiI1MyJ9LCJCYWNrZ3JvdW5kIjp7IiRpZCI6IjMxMiIsIkNvbG9yIjp7IiRpZCI6IjMxMyIsIkEiOjAsIlIiOjI1NSwiRyI6MjU1LCJCIjoyNTV9fSwiSXNWaXNpYmxlIjp0cnVlLCJXaWR0aCI6MC4wLCJIZWlnaHQiOjAuMCwiQm9yZGVyU3R5bGUiOnsiJGlkIjoiMzE0IiwiTGluZUNvbG9yIjpudWxsLCJMaW5lV2VpZ2h0IjowLjAsIkxpbmVUeXBlIjowLCJQYXJlbnRTdHlsZSI6bnVsbH0sIlBhcmVudFN0eWxlIjpudWxsfSwiRGF0ZUZvcm1hdCI6eyIkcmVmIjoiNTcifSwiV2Vla051bWJlcmluZyI6eyIkaWQiOiIzMTUiLCJGb3JtYXQiOjAsIklzVmlzaWJsZSI6ZmFsc2UsIkxhc3RLbm93blZpc2liaWxpdHlTdGF0ZSI6ZmFsc2V9LCJJc1Zpc2libGUiOnRydWUsIlBhcmVudFN0eWxlIjpudWxsfSwiSW5kZXgiOjgsIlNtYXJ0RHVyYXRpb25BY3RpdmF0ZWQiOmZhbHNlLCJEYXRlRm9ybWF0Ijp7IiRyZWYiOiI1NyJ9LCJXZWVrTnVtYmVyaW5nIjp7IiRpZCI6IjMxNiIsIkZvcm1hdCI6MCwiSXNWaXNpYmxlIjpmYWxzZSwiTGFzdEtub3duVmlzaWJpbGl0eVN0YXRlIjpmYWxzZX0sIklkIjoiMWNhMTNjYTUtYTk1Yy00OTM3LWI2ZGEtMzIxNDkxNmIzMGJhIiwiSW1wb3J0SWQiOm51bGwsIlRpdGxlIjoiRGVsZXRlIENhciIsIk5vdGUiOm51bGwsIkh5cGVybGluayI6eyIkaWQiOiIzMTciLCJBZGRyZXNzIjoiIiwiU3ViQWRkcmVzcyI6IiJ9LCJJc0NoYW5nZWQiOmZhbHNlLCJJc05ldyI6ZmFsc2V9fV0sIl9taWxlc3RvbmVzIjpbXSwiSWQiOiIwMDAwMDAwMC0wMDAwLTAwMDAtMDAwMC0wMDAwMDAwMDAwMDAiLCJJc1NpbmdsZUl0ZW1Sb3ciOnRydWV9LHsiJGlkIjoiMzE4IiwiX3Rhc2tzIjpbeyIkaWQiOiIzMTkiLCJfYXR0YWNoZWRNaWxlc3RvbmVzIjpbXSwiVGFza0RlZmluaXRpb24iOnsiJGlkIjoiMzIwIiwiR3JvdXBOYW1lIjpudWxsLCJTdGFydERhdGUiOiIyMDIyLTA1LTEyVDAwOjAwOjAwWiIsIkVuZERhdGUiOiIyMDIyLTA1LTEzVDIzOjU5OjAwWiIsIlBlcmNlbnRhZ2VDb21wbGV0ZSI6bnVsbCwiU3R5bGUiOnsiJGlkIjoiMzIxIiwiU2hhcGUiOjIsIlNoYXBlVGhpY2tuZXNzIjoxLCJEdXJhdGlvbkZvcm1hdCI6MCwiSW5jbHVkZU5vbldvcmtpbmdEYXlzSW5EdXJhdGlvbiI6ZmFsc2UsIlBlcmNlbnRhZ2VDb21wbGV0ZVN0eWxlIjp7IiRpZCI6IjMyMiIsIkZvbnRTZXR0aW5ncyI6eyIkaWQiOiIzMjMiLCJGb250U2l6ZSI6MTAsIkZvbnROYW1lIjoiQ2FsaWJyaSIsIklzQm9sZCI6ZmFsc2UsIklzSXRhbGljIjpmYWxzZSwiSXNVbmRlcmxpbmVkIjpmYWxzZSwiUGFyZW50U3R5bGUiOm51bGx9LCJBdXRvU2l6ZSI6MCwiRm9yZWdyb3VuZCI6eyIkcmVmIjoiMTAifSwiTWF4V2lkdGgiOjIwMC4wLCJNYXhIZWlnaHQiOiJJbmZpbml0eSIsIlNtYXJ0Rm9yZWdyb3VuZElzQWN0aXZlIjpmYWxzZSwiSG9yaXpvbnRhbEFsaWdubWVudCI6MCwiVmVydGljYWxBbGlnbm1lbnQiOjAsIlNtYXJ0Rm9yZWdyb3VuZCI6bnVsbCwiQmFja2dyb3VuZEZpbGxUeXBlIjowLCJNYXJnaW4iOnsiJHJlZiI6IjEyIn0sIlBhZGRpbmciOnsiJHJlZiI6IjEzIn0sIkJhY2tncm91bmQiOnsiJHJlZiI6IjE0In0sIklzVmlzaWJsZSI6dHJ1ZSwiV2lkdGgiOjAuMCwiSGVpZ2h0IjowLjAsIkJvcmRlclN0eWxlIjp7IiRpZCI6IjMyNCIsIkxpbmVDb2xvciI6bnVsbCwiTGluZVdlaWdodCI6MC4wLCJMaW5lVHlwZSI6MCwiUGFyZW50U3R5bGUiOm51bGx9LCJQYXJlbnRTdHlsZSI6bnVsbH0sIkR1cmF0aW9uU3R5bGUiOnsiJGlkIjoiMzI1IiwiRm9udFNldHRpbmdzIjp7IiRpZCI6IjMyNiIsIkZvbnRTaXplIjoxMCwiRm9udE5hbWUiOiJDYWxpYnJpIiwiSXNCb2xkIjpmYWxzZSwiSXNJdGFsaWMiOmZhbHNlLCJJc1VuZGVybGluZWQiOmZhbHNlLCJQYXJlbnRTdHlsZSI6bnVsbH0sIkF1dG9TaXplIjowLCJGb3JlZ3JvdW5kIjp7IiRyZWYiOiIxOSJ9LCJNYXhXaWR0aCI6MjAwLjAsIk1heEhlaWdodCI6IkluZmluaXR5IiwiU21hcnRGb3JlZ3JvdW5kSXNBY3RpdmUiOmZhbHNlLCJIb3Jpem9udGFsQWxpZ25tZW50IjowLCJWZXJ0aWNhbEFsaWdubWVudCI6MCwiU21hcnRGb3JlZ3JvdW5kIjpudWxsLCJCYWNrZ3JvdW5kRmlsbFR5cGUiOjAsIk1hcmdpbiI6eyIkcmVmIjoiMjEifSwiUGFkZGluZyI6eyIkcmVmIjoiMjIifSwiQmFja2dyb3VuZCI6eyIkcmVmIjoiMjMifSwiSXNWaXNpYmxlIjp0cnVlLCJXaWR0aCI6MC4wLCJIZWlnaHQiOjAuMCwiQm9yZGVyU3R5bGUiOnsiJGlkIjoiMzI3IiwiTGluZUNvbG9yIjpudWxsLCJMaW5lV2VpZ2h0IjowLjAsIkxpbmVUeXBlIjowLCJQYXJlbnRTdHlsZSI6bnVsbH0sIlBhcmVudFN0eWxlIjpudWxsfSwiSG9yaXpvbnRhbENvbm5lY3RvclN0eWxlIjp7IiRpZCI6IjMyOCIsIkxpbmVDb2xvciI6eyIkcmVmIjoiMjYifSwiTGluZVdlaWdodCI6MS4wLCJMaW5lVHlwZSI6MCwiUGFyZW50U3R5bGUiOm51bGx9LCJWZXJ0aWNhbENvbm5lY3RvclN0eWxlIjp7IiRpZCI6IjMyOSIsIkxpbmVDb2xvciI6eyIkcmVmIjoiMjkifSwiTGluZVdlaWdodCI6MC4wLCJMaW5lVHlwZSI6MCwiUGFyZW50U3R5bGUiOm51bGx9LCJNYXJnaW4iOm51bGwsIlN0YXJ0RGF0ZVBvc2l0aW9uIjozLCJFbmREYXRlUG9zaXRpb24iOjQsIkRhdGVJc1Zpc2libGUiOnRydWUsIlRpdGxlUG9zaXRpb24iOjIsIkR1cmF0aW9uUG9zaXRpb24iOjYsIlBlcmNlbnRhZ2VDb21wbGV0ZWRQb3NpdGlvbiI6NiwiU3BhY2luZyI6NSwiSXNCZWxvd1RpbWViYW5kIjp0cnVlLCJQZXJjZW50YWdlQ29tcGxldGVTaGFwZU9wYWNpdHkiOjM1LCJTaGFwZVN0eWxlIjp7IiRpZCI6IjMzMCIsIk1hcmdpbiI6eyIkcmVmIjoiMzIifSwiUGFkZGluZyI6eyIkcmVmIjoiMzMifSwiQmFja2dyb3VuZCI6eyIkaWQiOiIzMzEiLCJDb2xvciI6eyIkaWQiOiIzMzIiLCJBIjoyNTUsIlIiOjkxLCJHIjoxNTUsIkIiOjIxM319LCJJc1Zpc2libGUiOnRydWUsIldpZHRoIjowLjAsIkhlaWdodCI6MTYuMCwiQm9yZGVyU3R5bGUiOnsiJGlkIjoiMzMzIiwiTGluZUNvbG9yIjp7IiRyZWYiOiIzNyJ9LCJMaW5lV2VpZ2h0IjowLjAsIkxpbmVUeXBlIjowLCJQYXJlbnRTdHlsZSI6bnVsbH0sIlBhcmVudFN0eWxlIjpudWxsfSwiVGl0bGVTdHlsZSI6eyIkaWQiOiIzMzQiLCJGb250U2V0dGluZ3MiOnsiJGlkIjoiMzM1IiwiRm9udFNpemUiOjExLCJGb250TmFtZSI6IkNhbGlicmkiLCJJc0JvbGQiOnRydWUsIklzSXRhbGljIjpmYWxzZSwiSXNVbmRlcmxpbmVkIjpmYWxzZSwiUGFyZW50U3R5bGUiOm51bGx9LCJBdXRvU2l6ZSI6MCwiRm9yZWdyb3VuZCI6eyIkaWQiOiIzMzYiLCJDb2xvciI6eyIkaWQiOiIzMzciLCJBIjoyNTUsIlIiOjAsIkciOjAsIkIiOjB9fSwiTWF4V2lkdGgiOjcyMC4wLCJNYXhIZWlnaHQiOiJJbmZpbml0eSIsIlNtYXJ0Rm9yZWdyb3VuZElzQWN0aXZlIjpmYWxzZSwiSG9yaXpvbnRhbEFsaWdubWVudCI6MSwiVmVydGljYWxBbGlnbm1lbnQiOjAsIlNtYXJ0Rm9yZWdyb3VuZCI6bnVsbCwiQmFja2dyb3VuZEZpbGxUeXBlIjowLCJNYXJnaW4iOnsiJHJlZiI6IjQzIn0sIlBhZGRpbmciOnsiJHJlZiI6IjQ0In0sIkJhY2tncm91bmQiOnsiJGlkIjoiMzM4IiwiQ29sb3IiOnsiJGlkIjoiMzM5IiwiQSI6MCwiUiI6MjU1LCJHIjoyNTUsIkIiOjI1NX19LCJJc1Zpc2libGUiOnRydWUsIldpZHRoIjowLjAsIkhlaWdodCI6MC4wLCJCb3JkZXJTdHlsZSI6eyIkaWQiOiIzNDAiLCJMaW5lQ29sb3IiOm51bGwsIkxpbmVXZWlnaHQiOjAuMCwiTGluZVR5cGUiOjAsIlBhcmVudFN0eWxlIjpudWxsfSwiUGFyZW50U3R5bGUiOm51bGx9LCJEYXRlU3R5bGUiOnsiJGlkIjoiMzQxIiwiRm9udFNldHRpbmdzIjp7IiRpZCI6IjM0MiIsIkZvbnRTaXplIjoxMCwiRm9udE5hbWUiOiJDYWxpYnJpIiwiSXNCb2xkIjpmYWxzZSwiSXNJdGFsaWMiOmZhbHNlLCJJc1VuZGVybGluZWQiOmZhbHNlLCJQYXJlbnRTdHlsZSI6bnVsbH0sIkF1dG9TaXplIjowLCJGb3JlZ3JvdW5kIjp7IiRpZCI6IjM0MyIsIkNvbG9yIjp7IiRpZCI6IjM0NCIsIkEiOjI1NSwiUiI6NjgsIkciOjg0LCJCIjoxMDZ9fSwiTWF4V2lkdGgiOjIwMC4wLCJNYXhIZWlnaHQiOiJJbmZpbml0eSIsIlNtYXJ0Rm9yZWdyb3VuZElzQWN0aXZlIjpmYWxzZSwiSG9yaXpvbnRhbEFsaWdubWVudCI6MSwiVmVydGljYWxBbGlnbm1lbnQiOjAsIlNtYXJ0Rm9yZWdyb3VuZCI6bnVsbCwiQmFja2dyb3VuZEZpbGxUeXBlIjowLCJNYXJnaW4iOnsiJHJlZiI6IjUyIn0sIlBhZGRpbmciOnsiJHJlZiI6IjUzIn0sIkJhY2tncm91bmQiOnsiJGlkIjoiMzQ1IiwiQ29sb3IiOnsiJGlkIjoiMzQ2IiwiQSI6MCwiUiI6MjU1LCJHIjoyNTUsIkIiOjI1NX19LCJJc1Zpc2libGUiOnRydWUsIldpZHRoIjowLjAsIkhlaWdodCI6MC4wLCJCb3JkZXJTdHlsZSI6eyIkaWQiOiIzNDciLCJMaW5lQ29sb3IiOm51bGwsIkxpbmVXZWlnaHQiOjAuMCwiTGluZVR5cGUiOjAsIlBhcmVudFN0eWxlIjpudWxsfSwiUGFyZW50U3R5bGUiOm51bGx9LCJEYXRlRm9ybWF0Ijp7IiRyZWYiOiI1NyJ9LCJXZWVrTnVtYmVyaW5nIjp7IiRpZCI6IjM0OCIsIkZvcm1hdCI6MCwiSXNWaXNpYmxlIjpmYWxzZSwiTGFzdEtub3duVmlzaWJpbGl0eVN0YXRlIjpmYWxzZX0sIklzVmlzaWJsZSI6dHJ1ZSwiUGFyZW50U3R5bGUiOm51bGx9LCJJbmRleCI6OSwiU21hcnREdXJhdGlvbkFjdGl2YXRlZCI6ZmFsc2UsIkRhdGVGb3JtYXQiOnsiJHJlZiI6IjU3In0sIldlZWtOdW1iZXJpbmciOnsiJGlkIjoiMzQ5IiwiRm9ybWF0IjowLCJJc1Zpc2libGUiOmZhbHNlLCJMYXN0S25vd25WaXNpYmlsaXR5U3RhdGUiOmZhbHNlfSwiSWQiOiI4YjM4NDM3Yi05NmFlLTQ3YzItYTg5ZS0yZjlhNDExYzhjMjgiLCJJbXBvcnRJZCI6bnVsbCwiVGl0bGUiOiJVcGRhdGUgQ2FyIiwiTm90ZSI6bnVsbCwiSHlwZXJsaW5rIjp7IiRpZCI6IjM1MCIsIkFkZHJlc3MiOiIiLCJTdWJBZGRyZXNzIjoiIn0sIklzQ2hhbmdlZCI6ZmFsc2UsIklzTmV3IjpmYWxzZX19XSwiX21pbGVzdG9uZXMiOltdLCJJZCI6IjAwMDAwMDAwLTAwMDAtMDAwMC0wMDAwLTAwMDAwMDAwMDAwMCIsIklzU2luZ2xlSXRlbVJvdyI6dHJ1ZX1dLCJJbmRleCI6MywiSWQiOiJkYzA3NmZjZC1kMWJlLTQyMDctYjVmOS0zODE1YjM4Y2Q5MWUiLCJIZWFkZXJUZXh0IjpudWxsLCJJc0RlZmF1bHQiOnRydWUsIlN0eWxlIjp7IiRpZCI6IjM1MSIsIkhlYWRlclN0eWxlIjp7IiRpZCI6IjM1MiIsIlRleHRTdHlsZSI6eyIkaWQiOiIzNTMiLCJGb250U2V0dGluZ3MiOnsiJGlkIjoiMzU0IiwiRm9udFNpemUiOjExLCJGb250TmFtZSI6IkNhbGlicmkiLCJJc0JvbGQiOmZhbHNlLCJJc0l0YWxpYyI6ZmFsc2UsIklzVW5kZXJsaW5lZCI6ZmFsc2UsIlBhcmVudFN0eWxlIjpudWxsfSwiQXV0b1NpemUiOjIsIkZvcmVncm91bmQiOnsiJGlkIjoiMzU1IiwiQ29sb3IiOnsiJGlkIjoiMzU2IiwiQSI6MjU1LCJSIjowLCJHIjowLCJCIjowfX0sIk1heFdpZHRoIjowLjAsIk1heEhlaWdodCI6IkluZmluaXR5IiwiU21hcnRGb3JlZ3JvdW5kSXNBY3RpdmUiOmZhbHNlLCJIb3Jpem9udGFsQWxpZ25tZW50IjowLCJWZXJ0aWNhbEFsaWdubWVudCI6MCwiU21hcnRGb3JlZ3JvdW5kIjpudWxsLCJCYWNrZ3JvdW5kRmlsbFR5cGUiOjAsIk1hcmdpbiI6eyIkaWQiOiIzNTciLCJUb3AiOjAuMCwiTGVmdCI6MC4wLCJSaWdodCI6MC4wLCJCb3R0b20iOjAuMH0sIlBhZGRpbmciOnsiJGlkIjoiMzU4IiwiVG9wIjowLjAsIkxlZnQiOjAuMCwiUmlnaHQiOjAuMCwiQm90dG9tIjowLjB9LCJCYWNrZ3JvdW5kIjpudWxsLCJJc1Zpc2libGUiOnRydWUsIldpZHRoIjowLjAsIkhlaWdodCI6MC4wLCJCb3JkZXJTdHlsZSI6bnVsbCwiUGFyZW50U3R5bGUiOm51bGx9LCJSZWN0YW5nbGVTdHlsZSI6eyIkaWQiOiIzNTkiLCJNYXJnaW4iOnsiJGlkIjoiMzYwIiwiVG9wIjowLjAsIkxlZnQiOjAuMCwiUmlnaHQiOjAuMCwiQm90dG9tIjowLjB9LCJQYWRkaW5nIjp7IiRpZCI6IjM2MSIsIlRvcCI6MC4wLCJMZWZ0IjowLjAsIlJpZ2h0IjowLjAsIkJvdHRvbSI6MC4wfSwiQmFja2dyb3VuZCI6eyIkaWQiOiIzNjIiLCJDb2xvciI6eyIkaWQiOiIzNjMiLCJBIjo2MywiUiI6MjM3LCJHIjoxMjUsIkIiOjQ5fX0sIklzVmlzaWJsZSI6dHJ1ZSwiV2lkdGgiOjAuMCwiSGVpZ2h0IjowLjAsIkJvcmRlclN0eWxlIjp7IiRpZCI6IjM2NCIsIkxpbmVDb2xvciI6eyIkaWQiOiIzNjUiLCIkdHlwZSI6Ik5MUkUuQ29tbW9uLkRvbS5Tb2xpZENvbG9yQnJ1c2gsIE5MUkUuQ29tbW9uIiwiQ29sb3IiOnsiJGlkIjoiMzY2IiwiQSI6MjU1LCJSIjoyNTUsIkciOjAsIkIiOjB9fSwiTGluZVdlaWdodCI6MC4wLCJMaW5lVHlwZSI6MCwiUGFyZW50U3R5bGUiOm51bGx9LCJQYXJlbnRTdHlsZSI6bnVsbH0sIk1hcmdpbiI6eyIkaWQiOiIzNjciLCJUb3AiOjAuMCwiTGVmdCI6MC4wLCJSaWdodCI6MC4wLCJCb3R0b20iOjAuMH0sIlBhZGRpbmciOnsiJGlkIjoiMzY4IiwiVG9wIjowLjAsIkxlZnQiOjAuMCwiUmlnaHQiOjAuMCwiQm90dG9tIjowLjB9LCJCYWNrZ3JvdW5kIjpudWxsLCJJc1Zpc2libGUiOnRydWUsIldpZHRoIjowLjAsIkhlaWdodCI6MC4wLCJCb3JkZXJTdHlsZSI6bnVsbCwiUGFyZW50U3R5bGUiOm51bGx9LCJCYWNrZ3JvdW5kU3R5bGUiOnsiJGlkIjoiMzY5IiwiTWFyZ2luIjp7IiRpZCI6IjM3MCIsIlRvcCI6MC4wLCJMZWZ0IjowLjAsIlJpZ2h0IjowLjAsIkJvdHRvbSI6MC4wfSwiUGFkZGluZyI6eyIkaWQiOiIzNzEiLCJUb3AiOjAuMCwiTGVmdCI6MC4wLCJSaWdodCI6MC4wLCJCb3R0b20iOjAuMH0sIkJhY2tncm91bmQiOnsiJGlkIjoiMzcyIiwiQ29sb3IiOnsiJGlkIjoiMzczIiwiQSI6NTEsIlIiOjE2NSwiRyI6MTY1LCJCIjoxNjV9fSwiSXNWaXNpYmxlIjp0cnVlLCJXaWR0aCI6MC4wLCJIZWlnaHQiOjAuMCwiQm9yZGVyU3R5bGUiOnsiJGlkIjoiMzc0IiwiTGluZUNvbG9yIjp7IiRpZCI6IjM3NSIsIiR0eXBlIjoiTkxSRS5Db21tb24uRG9tLlNvbGlkQ29sb3JCcnVzaCwgTkxSRS5Db21tb24iLCJDb2xvciI6eyIkaWQiOiIzNzYiLCJBIjoyNTUsIlIiOjI1NSwiRyI6MCwiQiI6MH19LCJMaW5lV2VpZ2h0IjowLjAsIkxpbmVUeXBlIjowLCJQYXJlbnRTdHlsZSI6bnVsbH0sIlBhcmVudFN0eWxlIjpudWxsfSwiTWFyZ2luIjp7IiRpZCI6IjM3NyIsIlRvcCI6MC4wLCJMZWZ0IjowLjAsIlJpZ2h0IjowLjAsIkJvdHRvbSI6MC4wfSwiUGFkZGluZyI6eyIkaWQiOiIzNzgiLCJUb3AiOjAuMCwiTGVmdCI6MC4wLCJSaWdodCI6MC4wLCJCb3R0b20iOjAuMH0sIklzVmlzaWJsZSI6ZmFsc2UsIldpZHRoIjowLjAsIkhlaWdodCI6MC4wLCJCb3JkZXJTdHlsZSI6bnVsbCwiUGFyZW50U3R5bGUiOm51bGx9fV0sIklkIjoiZTIwYWM2YzMtY2EwZi00NWRkLWJiNDktNWIxOGFiYTE4YTNkIiwiSW5kZXgiOjMsIkhlYWRlclRleHQiOiJBZG1pbiBGZWF0dXJlcyIsIlN0eWxlIjp7IiRpZCI6IjM3OSIsIkhlYWRlclN0eWxlIjp7IiRpZCI6IjM4MCIsIlRleHRJc1ZlcnRpY2FsIjpmYWxzZSwiVGV4dFN0eWxlIjp7IiRpZCI6IjM4MSIsIkZvbnRTZXR0aW5ncyI6eyIkaWQiOiIzODIiLCJGb250U2l6ZSI6MTIsIkZvbnROYW1lIjoiQ2FsaWJyaSIsIklzQm9sZCI6ZmFsc2UsIklzSXRhbGljIjpmYWxzZSwiSXNVbmRlcmxpbmVkIjpmYWxzZSwiUGFyZW50U3R5bGUiOm51bGx9LCJBdXRvU2l6ZSI6MiwiRm9yZWdyb3VuZCI6eyIkcmVmIjoiMTI2In0sIk1heFdpZHRoIjoxNjAuMCwiTWF4SGVpZ2h0IjoiSW5maW5pdHkiLCJTbWFydEZvcmVncm91bmRJc0FjdGl2ZSI6ZmFsc2UsIkhvcml6b250YWxBbGlnbm1lbnQiOjAsIlZlcnRpY2FsQWxpZ25tZW50IjowLCJTbWFydEZvcmVncm91bmQiOm51bGwsIkJhY2tncm91bmRGaWxsVHlwZSI6MCwiTWFyZ2luIjp7IiRyZWYiOiIxMjgifSwiUGFkZGluZyI6eyIkcmVmIjoiMTI5In0sIkJhY2tncm91bmQiOm51bGwsIklzVmlzaWJsZSI6dHJ1ZSwiV2lkdGgiOjAuMCwiSGVpZ2h0IjowLjAsIkJvcmRlclN0eWxlIjpudWxsLCJQYXJlbnRTdHlsZSI6bnVsbH0sIlJlY3RhbmdsZVN0eWxlIjp7IiRpZCI6IjM4MyIsIk1hcmdpbiI6eyIkaWQiOiIzODQiLCJUb3AiOjAuMCwiTGVmdCI6MC4wLCJSaWdodCI6MC4wLCJCb3R0b20iOjAuMH0sIlBhZGRpbmciOnsiJGlkIjoiMzg1IiwiVG9wIjowLjAsIkxlZnQiOjAuMCwiUmlnaHQiOjAuMCwiQm90dG9tIjowLjB9LCJCYWNrZ3JvdW5kIjp7IiRpZCI6IjM4NiIsIkNvbG9yIjp7IiRpZCI6IjM4NyIsIkEiOjI1NSwiUiI6MjM3LCJHIjoxMjUsIkIiOjQ5fX0sIklzVmlzaWJsZSI6dHJ1ZSwiV2lkdGgiOjAuMCwiSGVpZ2h0IjowLjAsIkJvcmRlclN0eWxlIjp7IiRpZCI6IjM4OCIsIkxpbmVDb2xvciI6eyIkaWQiOiIzODkiLCIkdHlwZSI6Ik5MUkUuQ29tbW9uLkRvbS5Tb2xpZENvbG9yQnJ1c2gsIE5MUkUuQ29tbW9uIiwiQ29sb3IiOnsiJGlkIjoiMzkwIiwiQSI6MjU1LCJSIjoyNTUsIkciOjAsIkIiOjB9fSwiTGluZVdlaWdodCI6MC4wLCJMaW5lVHlwZSI6MCwiUGFyZW50U3R5bGUiOm51bGx9LCJQYXJlbnRTdHlsZSI6bnVsbH0sIk1hcmdpbiI6eyIkaWQiOiIzOTEiLCJUb3AiOjAuMCwiTGVmdCI6MC4wLCJSaWdodCI6MC4wLCJCb3R0b20iOjAuMH0sIlBhZGRpbmciOnsiJGlkIjoiMzkyIiwiVG9wIjowLjAsIkxlZnQiOjAuMCwiUmlnaHQiOjAuMCwiQm90dG9tIjowLjB9LCJCYWNrZ3JvdW5kIjpudWxsLCJJc1Zpc2libGUiOnRydWUsIldpZHRoIjowLjAsIkhlaWdodCI6MC4wLCJCb3JkZXJTdHlsZSI6bnVsbCwiUGFyZW50U3R5bGUiOm51bGx9LCJCYWNrZ3JvdW5kU3R5bGUiOnsiJGlkIjoiMzkzIiwiTWFyZ2luIjp7IiRpZCI6IjM5NCIsIlRvcCI6MC4wLCJMZWZ0IjowLjAsIlJpZ2h0IjowLjAsIkJvdHRvbSI6MC4wfSwiUGFkZGluZyI6eyIkaWQiOiIzOTUiLCJUb3AiOjAuMCwiTGVmdCI6MC4wLCJSaWdodCI6MC4wLCJCb3R0b20iOjAuMH0sIkJhY2tncm91bmQiOnsiJGlkIjoiMzk2IiwiQ29sb3IiOnsiJGlkIjoiMzk3IiwiQSI6NTEsIlIiOjE2NSwiRyI6MTY1LCJCIjoxNjV9fSwiSXNWaXNpYmxlIjp0cnVlLCJXaWR0aCI6MC4wLCJIZWlnaHQiOjAuMCwiQm9yZGVyU3R5bGUiOnsiJGlkIjoiMzk4IiwiTGluZUNvbG9yIjp7IiRpZCI6IjM5OSIsIiR0eXBlIjoiTkxSRS5Db21tb24uRG9tLlNvbGlkQ29sb3JCcnVzaCwgTkxSRS5Db21tb24iLCJDb2xvciI6eyIkaWQiOiI0MDAiLCJBIjoyNTUsIlIiOjI1NSwiRyI6MCwiQiI6MH19LCJMaW5lV2VpZ2h0IjowLjAsIkxpbmVUeXBlIjowLCJQYXJlbnRTdHlsZSI6bnVsbH0sIlBhcmVudFN0eWxlIjpudWxsfSwiSXNBYm92ZVRpbWViYW5kIjpmYWxzZSwiTWFyZ2luIjp7IiRpZCI6IjQwMSIsIlRvcCI6MC4wLCJMZWZ0IjowLjAsIlJpZ2h0IjowLjAsIkJvdHRvbSI6MC4wfSwiUGFkZGluZyI6eyIkaWQiOiI0MDIiLCJUb3AiOjAuMCwiTGVmdCI6MC4wLCJSaWdodCI6MC4wLCJCb3R0b20iOjAuMH0sIklzVmlzaWJsZSI6dHJ1ZSwiV2lkdGgiOjAuMCwiSGVpZ2h0IjowLjAsIkJvcmRlclN0eWxlIjp7IiRpZCI6IjQwMyIsIkxpbmVDb2xvciI6bnVsbCwiTGluZVdlaWdodCI6MC4wLCJMaW5lVHlwZSI6MCwiUGFyZW50U3R5bGUiOm51bGx9LCJQYXJlbnRTdHlsZSI6bnVsbH19LHsiJGlkIjoiNDA0IiwiX2FjdGl2aXRpZXMiOlt7IiRpZCI6IjQwNSIsIl9yb3dzIjpbeyIkaWQiOiI0MDYiLCJfdGFza3MiOlt7IiRpZCI6IjQwNyIsIl9hdHRhY2hlZE1pbGVzdG9uZXMiOltdLCJUYXNrRGVmaW5pdGlvbiI6eyIkaWQiOiI0MDgiLCJHcm91cE5hbWUiOm51bGwsIlN0YXJ0RGF0ZSI6IjIwMjItMDUtMDZUMDA6MDA6MDBaIiwiRW5kRGF0ZSI6IjIwMjItMDUtMDhUMjM6NTk6MDBaIiwiUGVyY2VudGFnZUNvbXBsZXRlIjpudWxsLCJTdHlsZSI6eyIkaWQiOiI0MDkiLCJTaGFwZSI6MiwiU2hhcGVUaGlja25lc3MiOjEsIkR1cmF0aW9uRm9ybWF0IjowLCJJbmNsdWRlTm9uV29ya2luZ0RheXNJbkR1cmF0aW9uIjpmYWxzZSwiUGVyY2VudGFnZUNvbXBsZXRlU3R5bGUiOnsiJGlkIjoiNDEwIiwiRm9udFNldHRpbmdzIjp7IiRpZCI6IjQxMSIsIkZvbnRTaXplIjoxMCwiRm9udE5hbWUiOiJDYWxpYnJpIiwiSXNCb2xkIjpmYWxzZSwiSXNJdGFsaWMiOmZhbHNlLCJJc1VuZGVybGluZWQiOmZhbHNlLCJQYXJlbnRTdHlsZSI6bnVsbH0sIkF1dG9TaXplIjowLCJGb3JlZ3JvdW5kIjp7IiRyZWYiOiIxMCJ9LCJNYXhXaWR0aCI6MjAwLjAsIk1heEhlaWdodCI6IkluZmluaXR5IiwiU21hcnRGb3JlZ3JvdW5kSXNBY3RpdmUiOmZhbHNlLCJIb3Jpem9udGFsQWxpZ25tZW50IjowLCJWZXJ0aWNhbEFsaWdubWVudCI6MCwiU21hcnRGb3JlZ3JvdW5kIjpudWxsLCJCYWNrZ3JvdW5kRmlsbFR5cGUiOjAsIk1hcmdpbiI6eyIkcmVmIjoiMTIifSwiUGFkZGluZyI6eyIkcmVmIjoiMTMifSwiQmFja2dyb3VuZCI6eyIkcmVmIjoiMTQifSwiSXNWaXNpYmxlIjp0cnVlLCJXaWR0aCI6MC4wLCJIZWlnaHQiOjAuMCwiQm9yZGVyU3R5bGUiOnsiJGlkIjoiNDEyIiwiTGluZUNvbG9yIjpudWxsLCJMaW5lV2VpZ2h0IjowLjAsIkxpbmVUeXBlIjowLCJQYXJlbnRTdHlsZSI6bnVsbH0sIlBhcmVudFN0eWxlIjpudWxsfSwiRHVyYXRpb25TdHlsZSI6eyIkaWQiOiI0MTMiLCJGb250U2V0dGluZ3MiOnsiJGlkIjoiNDE0IiwiRm9udFNpemUiOjEwLCJGb250TmFtZSI6IkNhbGlicmkiLCJJc0JvbGQiOmZhbHNlLCJJc0l0YWxpYyI6ZmFsc2UsIklzVW5kZXJsaW5lZCI6ZmFsc2UsIlBhcmVudFN0eWxlIjpudWxsfSwiQXV0b1NpemUiOjAsIkZvcmVncm91bmQiOnsiJHJlZiI6IjE5In0sIk1heFdpZHRoIjoyMDAuMCwiTWF4SGVpZ2h0IjoiSW5maW5pdHkiLCJTbWFydEZvcmVncm91bmRJc0FjdGl2ZSI6ZmFsc2UsIkhvcml6b250YWxBbGlnbm1lbnQiOjAsIlZlcnRpY2FsQWxpZ25tZW50IjowLCJTbWFydEZvcmVncm91bmQiOm51bGwsIkJhY2tncm91bmRGaWxsVHlwZSI6MCwiTWFyZ2luIjp7IiRyZWYiOiIyMSJ9LCJQYWRkaW5nIjp7IiRyZWYiOiIyMiJ9LCJCYWNrZ3JvdW5kIjp7IiRyZWYiOiIyMyJ9LCJJc1Zpc2libGUiOnRydWUsIldpZHRoIjowLjAsIkhlaWdodCI6MC4wLCJCb3JkZXJTdHlsZSI6eyIkaWQiOiI0MTUiLCJMaW5lQ29sb3IiOm51bGwsIkxpbmVXZWlnaHQiOjAuMCwiTGluZVR5cGUiOjAsIlBhcmVudFN0eWxlIjpudWxsfSwiUGFyZW50U3R5bGUiOm51bGx9LCJIb3Jpem9udGFsQ29ubmVjdG9yU3R5bGUiOnsiJGlkIjoiNDE2IiwiTGluZUNvbG9yIjp7IiRyZWYiOiIyNiJ9LCJMaW5lV2VpZ2h0IjoxLjAsIkxpbmVUeXBlIjowLCJQYXJlbnRTdHlsZSI6bnVsbH0sIlZlcnRpY2FsQ29ubmVjdG9yU3R5bGUiOnsiJGlkIjoiNDE3IiwiTGluZUNvbG9yIjp7IiRyZWYiOiIyOSJ9LCJMaW5lV2VpZ2h0IjowLjAsIkxpbmVUeXBlIjowLCJQYXJlbnRTdHlsZSI6bnVsbH0sIk1hcmdpbiI6bnVsbCwiU3RhcnREYXRlUG9zaXRpb24iOjMsIkVuZERhdGVQb3NpdGlvbiI6NCwiRGF0ZUlzVmlzaWJsZSI6dHJ1ZSwiVGl0bGVQb3NpdGlvbiI6MiwiRHVyYXRpb25Qb3NpdGlvbiI6NiwiUGVyY2VudGFnZUNvbXBsZXRlZFBvc2l0aW9uIjo2LCJTcGFjaW5nIjo1LCJJc0JlbG93VGltZWJhbmQiOnRydWUsIlBlcmNlbnRhZ2VDb21wbGV0ZVNoYXBlT3BhY2l0eSI6MzUsIlNoYXBlU3R5bGUiOnsiJGlkIjoiNDE4IiwiTWFyZ2luIjp7IiRyZWYiOiIzMiJ9LCJQYWRkaW5nIjp7IiRyZWYiOiIzMyJ9LCJCYWNrZ3JvdW5kIjp7IiRpZCI6IjQxOSIsIkNvbG9yIjp7IiRpZCI6IjQyMCIsIkEiOjI1NSwiUiI6OTEsIkciOjE1NSwiQiI6MjEzfX0sIklzVmlzaWJsZSI6dHJ1ZSwiV2lkdGgiOjAuMCwiSGVpZ2h0IjoxNi4wLCJCb3JkZXJTdHlsZSI6eyIkaWQiOiI0MjEiLCJMaW5lQ29sb3IiOnsiJHJlZiI6IjM3In0sIkxpbmVXZWlnaHQiOjAuMCwiTGluZVR5cGUiOjAsIlBhcmVudFN0eWxlIjpudWxsfSwiUGFyZW50U3R5bGUiOm51bGx9LCJUaXRsZVN0eWxlIjp7IiRpZCI6IjQyMiIsIkZvbnRTZXR0aW5ncyI6eyIkaWQiOiI0MjMiLCJGb250U2l6ZSI6MTEsIkZvbnROYW1lIjoiQ2FsaWJyaSIsIklzQm9sZCI6dHJ1ZSwiSXNJdGFsaWMiOmZhbHNlLCJJc1VuZGVybGluZWQiOmZhbHNlLCJQYXJlbnRTdHlsZSI6bnVsbH0sIkF1dG9TaXplIjowLCJGb3JlZ3JvdW5kIjp7IiRpZCI6IjQyNCIsIkNvbG9yIjp7IiRpZCI6IjQyNSIsIkEiOjI1NSwiUiI6MCwiRyI6MCwiQiI6MH19LCJNYXhXaWR0aCI6NzIwLjAsIk1heEhlaWdodCI6IkluZmluaXR5IiwiU21hcnRGb3JlZ3JvdW5kSXNBY3RpdmUiOmZhbHNlLCJIb3Jpem9udGFsQWxpZ25tZW50IjoxLCJWZXJ0aWNhbEFsaWdubWVudCI6MCwiU21hcnRGb3JlZ3JvdW5kIjpudWxsLCJCYWNrZ3JvdW5kRmlsbFR5cGUiOjAsIk1hcmdpbiI6eyIkcmVmIjoiNDMifSwiUGFkZGluZyI6eyIkcmVmIjoiNDQifSwiQmFja2dyb3VuZCI6eyIkaWQiOiI0MjYiLCJDb2xvciI6eyIkaWQiOiI0MjciLCJBIjowLCJSIjoyNTUsIkciOjI1NSwiQiI6MjU1fX0sIklzVmlzaWJsZSI6dHJ1ZSwiV2lkdGgiOjAuMCwiSGVpZ2h0IjowLjAsIkJvcmRlclN0eWxlIjp7IiRpZCI6IjQyOCIsIkxpbmVDb2xvciI6bnVsbCwiTGluZVdlaWdodCI6MC4wLCJMaW5lVHlwZSI6MCwiUGFyZW50U3R5bGUiOm51bGx9LCJQYXJlbnRTdHlsZSI6bnVsbH0sIkRhdGVTdHlsZSI6eyIkaWQiOiI0MjkiLCJGb250U2V0dGluZ3MiOnsiJGlkIjoiNDMwIiwiRm9udFNpemUiOjEwLCJGb250TmFtZSI6IkNhbGlicmkiLCJJc0JvbGQiOmZhbHNlLCJJc0l0YWxpYyI6ZmFsc2UsIklzVW5kZXJsaW5lZCI6ZmFsc2UsIlBhcmVudFN0eWxlIjpudWxsfSwiQXV0b1NpemUiOjAsIkZvcmVncm91bmQiOnsiJGlkIjoiNDMxIiwiQ29sb3IiOnsiJGlkIjoiNDMyIiwiQSI6MjU1LCJSIjo2OCwiRyI6ODQsIkIiOjEwNn19LCJNYXhXaWR0aCI6MjAwLjAsIk1heEhlaWdodCI6IkluZmluaXR5IiwiU21hcnRGb3JlZ3JvdW5kSXNBY3RpdmUiOmZhbHNlLCJIb3Jpem9udGFsQWxpZ25tZW50IjoxLCJWZXJ0aWNhbEFsaWdubWVudCI6MCwiU21hcnRGb3JlZ3JvdW5kIjpudWxsLCJCYWNrZ3JvdW5kRmlsbFR5cGUiOjAsIk1hcmdpbiI6eyIkcmVmIjoiNTIifSwiUGFkZGluZyI6eyIkcmVmIjoiNTMifSwiQmFja2dyb3VuZCI6eyIkaWQiOiI0MzMiLCJDb2xvciI6eyIkaWQiOiI0MzQiLCJBIjowLCJSIjoyNTUsIkciOjI1NSwiQiI6MjU1fX0sIklzVmlzaWJsZSI6dHJ1ZSwiV2lkdGgiOjAuMCwiSGVpZ2h0IjowLjAsIkJvcmRlclN0eWxlIjp7IiRpZCI6IjQzNSIsIkxpbmVDb2xvciI6bnVsbCwiTGluZVdlaWdodCI6MC4wLCJMaW5lVHlwZSI6MCwiUGFyZW50U3R5bGUiOm51bGx9LCJQYXJlbnRTdHlsZSI6bnVsbH0sIkRhdGVGb3JtYXQiOnsiJHJlZiI6IjU3In0sIldlZWtOdW1iZXJpbmciOnsiJGlkIjoiNDM2IiwiRm9ybWF0IjowLCJJc1Zpc2libGUiOmZhbHNlLCJMYXN0S25vd25WaXNpYmlsaXR5U3RhdGUiOmZhbHNlfSwiSXNWaXNpYmxlIjp0cnVlLCJQYXJlbnRTdHlsZSI6bnVsbH0sIkluZGV4IjoxMSwiU21hcnREdXJhdGlvbkFjdGl2YXRlZCI6ZmFsc2UsIkRhdGVGb3JtYXQiOnsiJHJlZiI6IjU3In0sIldlZWtOdW1iZXJpbmciOnsiJGlkIjoiNDM3IiwiRm9ybWF0IjowLCJJc1Zpc2libGUiOmZhbHNlLCJMYXN0S25vd25WaXNpYmlsaXR5U3RhdGUiOmZhbHNlfSwiSWQiOiI0OTFhNWQ3Yy1kMmM5LTQyMmYtOWZhMy1jNmEzYjY2ZmEwZGIiLCJJbXBvcnRJZCI6bnVsbCwiVGl0bGUiOiJVc2VyIEhvbWUgUGFnZSIsIk5vdGUiOm51bGwsIkh5cGVybGluayI6eyIkaWQiOiI0MzgiLCJBZGRyZXNzIjoiIiwiU3ViQWRkcmVzcyI6IiJ9LCJJc0NoYW5nZWQiOmZhbHNlLCJJc05ldyI6ZmFsc2V9fV0sIl9taWxlc3RvbmVzIjpbXSwiSWQiOiIwMDAwMDAwMC0wMDAwLTAwMDAtMDAwMC0wMDAwMDAwMDAwMDAiLCJJc1NpbmdsZUl0ZW1Sb3ciOnRydWV9LHsiJGlkIjoiNDM5IiwiX3Rhc2tzIjpbeyIkaWQiOiI0NDAiLCJfYXR0YWNoZWRNaWxlc3RvbmVzIjpbXSwiVGFza0RlZmluaXRpb24iOnsiJGlkIjoiNDQxIiwiR3JvdXBOYW1lIjpudWxsLCJTdGFydERhdGUiOiIyMDIyLTA1LTA5VDAwOjAwOjAwWiIsIkVuZERhdGUiOiIyMDIyLTA1LTEzVDIzOjU5OjAwWiIsIlBlcmNlbnRhZ2VDb21wbGV0ZSI6bnVsbCwiU3R5bGUiOnsiJGlkIjoiNDQyIiwiU2hhcGUiOjIsIlNoYXBlVGhpY2tuZXNzIjoxLCJEdXJhdGlvbkZvcm1hdCI6MCwiSW5jbHVkZU5vbldvcmtpbmdEYXlzSW5EdXJhdGlvbiI6ZmFsc2UsIlBlcmNlbnRhZ2VDb21wbGV0ZVN0eWxlIjp7IiRpZCI6IjQ0MyIsIkZvbnRTZXR0aW5ncyI6eyIkaWQiOiI0NDQiLCJGb250U2l6ZSI6MTAsIkZvbnROYW1lIjoiQ2FsaWJyaSIsIklzQm9sZCI6ZmFsc2UsIklzSXRhbGljIjpmYWxzZSwiSXNVbmRlcmxpbmVkIjpmYWxzZSwiUGFyZW50U3R5bGUiOm51bGx9LCJBdXRvU2l6ZSI6MCwiRm9yZWdyb3VuZCI6eyIkcmVmIjoiMTAifSwiTWF4V2lkdGgiOjIwMC4wLCJNYXhIZWlnaHQiOiJJbmZpbml0eSIsIlNtYXJ0Rm9yZWdyb3VuZElzQWN0aXZlIjpmYWxzZSwiSG9yaXpvbnRhbEFsaWdubWVudCI6MCwiVmVydGljYWxBbGlnbm1lbnQiOjAsIlNtYXJ0Rm9yZWdyb3VuZCI6bnVsbCwiQmFja2dyb3VuZEZpbGxUeXBlIjowLCJNYXJnaW4iOnsiJHJlZiI6IjEyIn0sIlBhZGRpbmciOnsiJHJlZiI6IjEzIn0sIkJhY2tncm91bmQiOnsiJHJlZiI6IjE0In0sIklzVmlzaWJsZSI6dHJ1ZSwiV2lkdGgiOjAuMCwiSGVpZ2h0IjowLjAsIkJvcmRlclN0eWxlIjp7IiRpZCI6IjQ0NSIsIkxpbmVDb2xvciI6bnVsbCwiTGluZVdlaWdodCI6MC4wLCJMaW5lVHlwZSI6MCwiUGFyZW50U3R5bGUiOm51bGx9LCJQYXJlbnRTdHlsZSI6bnVsbH0sIkR1cmF0aW9uU3R5bGUiOnsiJGlkIjoiNDQ2IiwiRm9udFNldHRpbmdzIjp7IiRpZCI6IjQ0NyIsIkZvbnRTaXplIjoxMCwiRm9udE5hbWUiOiJDYWxpYnJpIiwiSXNCb2xkIjpmYWxzZSwiSXNJdGFsaWMiOmZhbHNlLCJJc1VuZGVybGluZWQiOmZhbHNlLCJQYXJlbnRTdHlsZSI6bnVsbH0sIkF1dG9TaXplIjowLCJGb3JlZ3JvdW5kIjp7IiRyZWYiOiIxOSJ9LCJNYXhXaWR0aCI6MjAwLjAsIk1heEhlaWdodCI6IkluZmluaXR5IiwiU21hcnRGb3JlZ3JvdW5kSXNBY3RpdmUiOmZhbHNlLCJIb3Jpem9udGFsQWxpZ25tZW50IjowLCJWZXJ0aWNhbEFsaWdubWVudCI6MCwiU21hcnRGb3JlZ3JvdW5kIjpudWxsLCJCYWNrZ3JvdW5kRmlsbFR5cGUiOjAsIk1hcmdpbiI6eyIkcmVmIjoiMjEifSwiUGFkZGluZyI6eyIkcmVmIjoiMjIifSwiQmFja2dyb3VuZCI6eyIkcmVmIjoiMjMifSwiSXNWaXNpYmxlIjp0cnVlLCJXaWR0aCI6MC4wLCJIZWlnaHQiOjAuMCwiQm9yZGVyU3R5bGUiOnsiJGlkIjoiNDQ4IiwiTGluZUNvbG9yIjpudWxsLCJMaW5lV2VpZ2h0IjowLjAsIkxpbmVUeXBlIjowLCJQYXJlbnRTdHlsZSI6bnVsbH0sIlBhcmVudFN0eWxlIjpudWxsfSwiSG9yaXpvbnRhbENvbm5lY3RvclN0eWxlIjp7IiRpZCI6IjQ0OSIsIkxpbmVDb2xvciI6eyIkcmVmIjoiMjYifSwiTGluZVdlaWdodCI6MS4wLCJMaW5lVHlwZSI6MCwiUGFyZW50U3R5bGUiOm51bGx9LCJWZXJ0aWNhbENvbm5lY3RvclN0eWxlIjp7IiRpZCI6IjQ1MCIsIkxpbmVDb2xvciI6eyIkcmVmIjoiMjkifSwiTGluZVdlaWdodCI6MC4wLCJMaW5lVHlwZSI6MCwiUGFyZW50U3R5bGUiOm51bGx9LCJNYXJnaW4iOm51bGwsIlN0YXJ0RGF0ZVBvc2l0aW9uIjozLCJFbmREYXRlUG9zaXRpb24iOjQsIkRhdGVJc1Zpc2libGUiOnRydWUsIlRpdGxlUG9zaXRpb24iOjIsIkR1cmF0aW9uUG9zaXRpb24iOjYsIlBlcmNlbnRhZ2VDb21wbGV0ZWRQb3NpdGlvbiI6NiwiU3BhY2luZyI6NSwiSXNCZWxvd1RpbWViYW5kIjp0cnVlLCJQZXJjZW50YWdlQ29tcGxldGVTaGFwZU9wYWNpdHkiOjM1LCJTaGFwZVN0eWxlIjp7IiRpZCI6IjQ1MSIsIk1hcmdpbiI6eyIkcmVmIjoiMzIifSwiUGFkZGluZyI6eyIkcmVmIjoiMzMifSwiQmFja2dyb3VuZCI6eyIkaWQiOiI0NTIiLCJDb2xvciI6eyIkaWQiOiI0NTMiLCJBIjoyNTUsIlIiOjkxLCJHIjoxNTUsIkIiOjIxM319LCJJc1Zpc2libGUiOnRydWUsIldpZHRoIjowLjAsIkhlaWdodCI6MTYuMCwiQm9yZGVyU3R5bGUiOnsiJGlkIjoiNDU0IiwiTGluZUNvbG9yIjp7IiRyZWYiOiIzNyJ9LCJMaW5lV2VpZ2h0IjowLjAsIkxpbmVUeXBlIjowLCJQYXJlbnRTdHlsZSI6bnVsbH0sIlBhcmVudFN0eWxlIjpudWxsfSwiVGl0bGVTdHlsZSI6eyIkaWQiOiI0NTUiLCJGb250U2V0dGluZ3MiOnsiJGlkIjoiNDU2IiwiRm9udFNpemUiOjExLCJGb250TmFtZSI6IkNhbGlicmkiLCJJc0JvbGQiOnRydWUsIklzSXRhbGljIjpmYWxzZSwiSXNVbmRlcmxpbmVkIjpmYWxzZSwiUGFyZW50U3R5bGUiOm51bGx9LCJBdXRvU2l6ZSI6MCwiRm9yZWdyb3VuZCI6eyIkaWQiOiI0NTciLCJDb2xvciI6eyIkaWQiOiI0NTgiLCJBIjoyNTUsIlIiOjAsIkciOjAsIkIiOjB9fSwiTWF4V2lkdGgiOjcyMC4wLCJNYXhIZWlnaHQiOiJJbmZpbml0eSIsIlNtYXJ0Rm9yZWdyb3VuZElzQWN0aXZlIjpmYWxzZSwiSG9yaXpvbnRhbEFsaWdubWVudCI6MSwiVmVydGljYWxBbGlnbm1lbnQiOjAsIlNtYXJ0Rm9yZWdyb3VuZCI6bnVsbCwiQmFja2dyb3VuZEZpbGxUeXBlIjowLCJNYXJnaW4iOnsiJHJlZiI6IjQzIn0sIlBhZGRpbmciOnsiJHJlZiI6IjQ0In0sIkJhY2tncm91bmQiOnsiJGlkIjoiNDU5IiwiQ29sb3IiOnsiJGlkIjoiNDYwIiwiQSI6MCwiUiI6MjU1LCJHIjoyNTUsIkIiOjI1NX19LCJJc1Zpc2libGUiOnRydWUsIldpZHRoIjowLjAsIkhlaWdodCI6MC4wLCJCb3JkZXJTdHlsZSI6eyIkaWQiOiI0NjEiLCJMaW5lQ29sb3IiOm51bGwsIkxpbmVXZWlnaHQiOjAuMCwiTGluZVR5cGUiOjAsIlBhcmVudFN0eWxlIjpudWxsfSwiUGFyZW50U3R5bGUiOm51bGx9LCJEYXRlU3R5bGUiOnsiJGlkIjoiNDYyIiwiRm9udFNldHRpbmdzIjp7IiRpZCI6IjQ2MyIsIkZvbnRTaXplIjoxMCwiRm9udE5hbWUiOiJDYWxpYnJpIiwiSXNCb2xkIjpmYWxzZSwiSXNJdGFsaWMiOmZhbHNlLCJJc1VuZGVybGluZWQiOmZhbHNlLCJQYXJlbnRTdHlsZSI6bnVsbH0sIkF1dG9TaXplIjowLCJGb3JlZ3JvdW5kIjp7IiRpZCI6IjQ2NCIsIkNvbG9yIjp7IiRpZCI6IjQ2NSIsIkEiOjI1NSwiUiI6NjgsIkciOjg0LCJCIjoxMDZ9fSwiTWF4V2lkdGgiOjIwMC4wLCJNYXhIZWlnaHQiOiJJbmZpbml0eSIsIlNtYXJ0Rm9yZWdyb3VuZElzQWN0aXZlIjpmYWxzZSwiSG9yaXpvbnRhbEFsaWdubWVudCI6MSwiVmVydGljYWxBbGlnbm1lbnQiOjAsIlNtYXJ0Rm9yZWdyb3VuZCI6bnVsbCwiQmFja2dyb3VuZEZpbGxUeXBlIjowLCJNYXJnaW4iOnsiJHJlZiI6IjUyIn0sIlBhZGRpbmciOnsiJHJlZiI6IjUzIn0sIkJhY2tncm91bmQiOnsiJGlkIjoiNDY2IiwiQ29sb3IiOnsiJGlkIjoiNDY3IiwiQSI6MCwiUiI6MjU1LCJHIjoyNTUsIkIiOjI1NX19LCJJc1Zpc2libGUiOnRydWUsIldpZHRoIjowLjAsIkhlaWdodCI6MC4wLCJCb3JkZXJTdHlsZSI6eyIkaWQiOiI0NjgiLCJMaW5lQ29sb3IiOm51bGwsIkxpbmVXZWlnaHQiOjAuMCwiTGluZVR5cGUiOjAsIlBhcmVudFN0eWxlIjpudWxsfSwiUGFyZW50U3R5bGUiOm51bGx9LCJEYXRlRm9ybWF0Ijp7IiRyZWYiOiI1NyJ9LCJXZWVrTnVtYmVyaW5nIjp7IiRpZCI6IjQ2OSIsIkZvcm1hdCI6MCwiSXNWaXNpYmxlIjpmYWxzZSwiTGFzdEtub3duVmlzaWJpbGl0eVN0YXRlIjpmYWxzZX0sIklzVmlzaWJsZSI6dHJ1ZSwiUGFyZW50U3R5bGUiOm51bGx9LCJJbmRleCI6MTIsIlNtYXJ0RHVyYXRpb25BY3RpdmF0ZWQiOmZhbHNlLCJEYXRlRm9ybWF0Ijp7IiRyZWYiOiI1NyJ9LCJXZWVrTnVtYmVyaW5nIjp7IiRpZCI6IjQ3MCIsIkZvcm1hdCI6MCwiSXNWaXNpYmxlIjpmYWxzZSwiTGFzdEtub3duVmlzaWJpbGl0eVN0YXRlIjpmYWxzZX0sIklkIjoiMTk2ZTQ2MWYtYTNiOS00YmVkLThiYzUtNmRjOTllNjc2ZGViIiwiSW1wb3J0SWQiOm51bGwsIlRpdGxlIjoiQ2FyIFJlc2VydmF0aW9uIiwiTm90ZSI6bnVsbCwiSHlwZXJsaW5rIjp7IiRpZCI6IjQ3MSIsIkFkZHJlc3MiOiIiLCJTdWJBZGRyZXNzIjoiIn0sIklzQ2hhbmdlZCI6ZmFsc2UsIklzTmV3IjpmYWxzZX19XSwiX21pbGVzdG9uZXMiOltdLCJJZCI6IjAwMDAwMDAwLTAwMDAtMDAwMC0wMDAwLTAwMDAwMDAwMDAwMCIsIklzU2luZ2xlSXRlbVJvdyI6dHJ1ZX1dLCJJbmRleCI6MTAsIklkIjoiMmU2Y2QxM2ItOTkzNC00NTNmLTk1NjktYzA0ZTVlNjVhNmViIiwiSGVhZGVyVGV4dCI6bnVsbCwiSXNEZWZhdWx0Ijp0cnVlLCJTdHlsZSI6eyIkaWQiOiI0NzIiLCJIZWFkZXJTdHlsZSI6eyIkaWQiOiI0NzMiLCJUZXh0U3R5bGUiOnsiJGlkIjoiNDc0IiwiRm9udFNldHRpbmdzIjp7IiRpZCI6IjQ3NSIsIkZvbnRTaXplIjoxMSwiRm9udE5hbWUiOiJDYWxpYnJpIiwiSXNCb2xkIjpmYWxzZSwiSXNJdGFsaWMiOmZhbHNlLCJJc1VuZGVybGluZWQiOmZhbHNlLCJQYXJlbnRTdHlsZSI6bnVsbH0sIkF1dG9TaXplIjoyLCJGb3JlZ3JvdW5kIjp7IiRpZCI6IjQ3NiIsIkNvbG9yIjp7IiRpZCI6IjQ3NyIsIkEiOjI1NSwiUiI6MCwiRyI6MCwiQiI6MH19LCJNYXhXaWR0aCI6MC4wLCJNYXhIZWlnaHQiOiJJbmZpbml0eSIsIlNtYXJ0Rm9yZWdyb3VuZElzQWN0aXZlIjpmYWxzZSwiSG9yaXpvbnRhbEFsaWdubWVudCI6MCwiVmVydGljYWxBbGlnbm1lbnQiOjAsIlNtYXJ0Rm9yZWdyb3VuZCI6bnVsbCwiQmFja2dyb3VuZEZpbGxUeXBlIjowLCJNYXJnaW4iOnsiJGlkIjoiNDc4IiwiVG9wIjowLjAsIkxlZnQiOjAuMCwiUmlnaHQiOjAuMCwiQm90dG9tIjowLjB9LCJQYWRkaW5nIjp7IiRpZCI6IjQ3OSIsIlRvcCI6MC4wLCJMZWZ0IjowLjAsIlJpZ2h0IjowLjAsIkJvdHRvbSI6MC4wfSwiQmFja2dyb3VuZCI6bnVsbCwiSXNWaXNpYmxlIjp0cnVlLCJXaWR0aCI6MC4wLCJIZWlnaHQiOjAuMCwiQm9yZGVyU3R5bGUiOm51bGwsIlBhcmVudFN0eWxlIjpudWxsfSwiUmVjdGFuZ2xlU3R5bGUiOnsiJGlkIjoiNDgwIiwiTWFyZ2luIjp7IiRpZCI6IjQ4MSIsIlRvcCI6MC4wLCJMZWZ0IjowLjAsIlJpZ2h0IjowLjAsIkJvdHRvbSI6MC4wfSwiUGFkZGluZyI6eyIkaWQiOiI0ODIiLCJUb3AiOjAuMCwiTGVmdCI6MC4wLCJSaWdodCI6MC4wLCJCb3R0b20iOjAuMH0sIkJhY2tncm91bmQiOnsiJGlkIjoiNDgzIiwiQ29sb3IiOnsiJGlkIjoiNDg0IiwiQSI6NjMsIlIiOjE2NSwiRyI6MTY1LCJCIjoxNjV9fSwiSXNWaXNpYmxlIjp0cnVlLCJXaWR0aCI6MC4wLCJIZWlnaHQiOjAuMCwiQm9yZGVyU3R5bGUiOnsiJGlkIjoiNDg1IiwiTGluZUNvbG9yIjp7IiRpZCI6IjQ4NiIsIiR0eXBlIjoiTkxSRS5Db21tb24uRG9tLlNvbGlkQ29sb3JCcnVzaCwgTkxSRS5Db21tb24iLCJDb2xvciI6eyIkaWQiOiI0ODciLCJBIjoyNTUsIlIiOjI1NSwiRyI6MCwiQiI6MH19LCJMaW5lV2VpZ2h0IjowLjAsIkxpbmVUeXBlIjowLCJQYXJlbnRTdHlsZSI6bnVsbH0sIlBhcmVudFN0eWxlIjpudWxsfSwiTWFyZ2luIjp7IiRpZCI6IjQ4OCIsIlRvcCI6MC4wLCJMZWZ0IjowLjAsIlJpZ2h0IjowLjAsIkJvdHRvbSI6MC4wfSwiUGFkZGluZyI6eyIkaWQiOiI0ODkiLCJUb3AiOjAuMCwiTGVmdCI6MC4wLCJSaWdodCI6MC4wLCJCb3R0b20iOjAuMH0sIkJhY2tncm91bmQiOm51bGwsIklzVmlzaWJsZSI6dHJ1ZSwiV2lkdGgiOjAuMCwiSGVpZ2h0IjowLjAsIkJvcmRlclN0eWxlIjpudWxsLCJQYXJlbnRTdHlsZSI6bnVsbH0sIkJhY2tncm91bmRTdHlsZSI6eyIkaWQiOiI0OTAiLCJNYXJnaW4iOnsiJGlkIjoiNDkxIiwiVG9wIjowLjAsIkxlZnQiOjAuMCwiUmlnaHQiOjAuMCwiQm90dG9tIjowLjB9LCJQYWRkaW5nIjp7IiRpZCI6IjQ5MiIsIlRvcCI6MC4wLCJMZWZ0IjowLjAsIlJpZ2h0IjowLjAsIkJvdHRvbSI6MC4wfSwiQmFja2dyb3VuZCI6eyIkaWQiOiI0OTMiLCJDb2xvciI6eyIkaWQiOiI0OTQiLCJBIjo1MSwiUiI6MTY1LCJHIjoxNjUsIkIiOjE2NX19LCJJc1Zpc2libGUiOnRydWUsIldpZHRoIjowLjAsIkhlaWdodCI6MC4wLCJCb3JkZXJTdHlsZSI6eyIkaWQiOiI0OTUiLCJMaW5lQ29sb3IiOnsiJGlkIjoiNDk2IiwiJHR5cGUiOiJOTFJFLkNvbW1vbi5Eb20uU29saWRDb2xvckJydXNoLCBOTFJFLkNvbW1vbiIsIkNvbG9yIjp7IiRpZCI6IjQ5NyIsIkEiOjI1NSwiUiI6MjU1LCJHIjowLCJCIjowfX0sIkxpbmVXZWlnaHQiOjAuMCwiTGluZVR5cGUiOjAsIlBhcmVudFN0eWxlIjpudWxsfSwiUGFyZW50U3R5bGUiOm51bGx9LCJNYXJnaW4iOnsiJGlkIjoiNDk4IiwiVG9wIjowLjAsIkxlZnQiOjAuMCwiUmlnaHQiOjAuMCwiQm90dG9tIjowLjB9LCJQYWRkaW5nIjp7IiRpZCI6IjQ5OSIsIlRvcCI6MC4wLCJMZWZ0IjowLjAsIlJpZ2h0IjowLjAsIkJvdHRvbSI6MC4wfSwiSXNWaXNpYmxlIjpmYWxzZSwiV2lkdGgiOjAuMCwiSGVpZ2h0IjowLjAsIkJvcmRlclN0eWxlIjpudWxsLCJQYXJlbnRTdHlsZSI6bnVsbH19XSwiSWQiOiJmODM4MTRkNC1kYjVmLTQ0NDYtYTY4Ni1iZjY4MDZhN2ZlYzkiLCJJbmRleCI6MTAsIkhlYWRlclRleHQiOiJVc2VyIEZlYXR1cmVzIiwiU3R5bGUiOnsiJGlkIjoiNTAwIiwiSGVhZGVyU3R5bGUiOnsiJGlkIjoiNTAxIiwiVGV4dElzVmVydGljYWwiOmZhbHNlLCJUZXh0U3R5bGUiOnsiJGlkIjoiNTAyIiwiRm9udFNldHRpbmdzIjp7IiRpZCI6IjUwMyIsIkZvbnRTaXplIjoxMiwiRm9udE5hbWUiOiJDYWxpYnJpIiwiSXNCb2xkIjpmYWxzZSwiSXNJdGFsaWMiOmZhbHNlLCJJc1VuZGVybGluZWQiOmZhbHNlLCJQYXJlbnRTdHlsZSI6bnVsbH0sIkF1dG9TaXplIjoyLCJGb3JlZ3JvdW5kIjp7IiRyZWYiOiIxMjYifSwiTWF4V2lkdGgiOjE2MC4wLCJNYXhIZWlnaHQiOiJJbmZpbml0eSIsIlNtYXJ0Rm9yZWdyb3VuZElzQWN0aXZlIjpmYWxzZSwiSG9yaXpvbnRhbEFsaWdubWVudCI6MCwiVmVydGljYWxBbGlnbm1lbnQiOjAsIlNtYXJ0Rm9yZWdyb3VuZCI6bnVsbCwiQmFja2dyb3VuZEZpbGxUeXBlIjowLCJNYXJnaW4iOnsiJHJlZiI6IjEyOCJ9LCJQYWRkaW5nIjp7IiRyZWYiOiIxMjkifSwiQmFja2dyb3VuZCI6bnVsbCwiSXNWaXNpYmxlIjp0cnVlLCJXaWR0aCI6MC4wLCJIZWlnaHQiOjAuMCwiQm9yZGVyU3R5bGUiOm51bGwsIlBhcmVudFN0eWxlIjpudWxsfSwiUmVjdGFuZ2xlU3R5bGUiOnsiJGlkIjoiNTA0IiwiTWFyZ2luIjp7IiRpZCI6IjUwNSIsIlRvcCI6MC4wLCJMZWZ0IjowLjAsIlJpZ2h0IjowLjAsIkJvdHRvbSI6MC4wfSwiUGFkZGluZyI6eyIkaWQiOiI1MDYiLCJUb3AiOjAuMCwiTGVmdCI6MC4wLCJSaWdodCI6MC4wLCJCb3R0b20iOjAuMH0sIkJhY2tncm91bmQiOnsiJGlkIjoiNTA3IiwiQ29sb3IiOnsiJGlkIjoiNTA4IiwiQSI6MjU1LCJSIjoxNjUsIkciOjE2NSwiQiI6MTY1fX0sIklzVmlzaWJsZSI6dHJ1ZSwiV2lkdGgiOjAuMCwiSGVpZ2h0IjowLjAsIkJvcmRlclN0eWxlIjp7IiRpZCI6IjUwOSIsIkxpbmVDb2xvciI6eyIkaWQiOiI1MTAiLCIkdHlwZSI6Ik5MUkUuQ29tbW9uLkRvbS5Tb2xpZENvbG9yQnJ1c2gsIE5MUkUuQ29tbW9uIiwiQ29sb3IiOnsiJGlkIjoiNTExIiwiQSI6MjU1LCJSIjoyNTUsIkciOjAsIkIiOjB9fSwiTGluZVdlaWdodCI6MC4wLCJMaW5lVHlwZSI6MCwiUGFyZW50U3R5bGUiOm51bGx9LCJQYXJlbnRTdHlsZSI6bnVsbH0sIk1hcmdpbiI6eyIkaWQiOiI1MTIiLCJUb3AiOjAuMCwiTGVmdCI6MC4wLCJSaWdodCI6MC4wLCJCb3R0b20iOjAuMH0sIlBhZGRpbmciOnsiJGlkIjoiNTEzIiwiVG9wIjowLjAsIkxlZnQiOjAuMCwiUmlnaHQiOjAuMCwiQm90dG9tIjowLjB9LCJCYWNrZ3JvdW5kIjpudWxsLCJJc1Zpc2libGUiOnRydWUsIldpZHRoIjowLjAsIkhlaWdodCI6MC4wLCJCb3JkZXJTdHlsZSI6bnVsbCwiUGFyZW50U3R5bGUiOm51bGx9LCJCYWNrZ3JvdW5kU3R5bGUiOnsiJGlkIjoiNTE0IiwiTWFyZ2luIjp7IiRpZCI6IjUxNSIsIlRvcCI6MC4wLCJMZWZ0IjowLjAsIlJpZ2h0IjowLjAsIkJvdHRvbSI6MC4wfSwiUGFkZGluZyI6eyIkaWQiOiI1MTYiLCJUb3AiOjAuMCwiTGVmdCI6MC4wLCJSaWdodCI6MC4wLCJCb3R0b20iOjAuMH0sIkJhY2tncm91bmQiOnsiJGlkIjoiNTE3IiwiQ29sb3IiOnsiJGlkIjoiNTE4IiwiQSI6NTEsIlIiOjE2NSwiRyI6MTY1LCJCIjoxNjV9fSwiSXNWaXNpYmxlIjp0cnVlLCJXaWR0aCI6MC4wLCJIZWlnaHQiOjAuMCwiQm9yZGVyU3R5bGUiOnsiJGlkIjoiNTE5IiwiTGluZUNvbG9yIjp7IiRpZCI6IjUyMCIsIiR0eXBlIjoiTkxSRS5Db21tb24uRG9tLlNvbGlkQ29sb3JCcnVzaCwgTkxSRS5Db21tb24iLCJDb2xvciI6eyIkaWQiOiI1MjEiLCJBIjoyNTUsIlIiOjI1NSwiRyI6MCwiQiI6MH19LCJMaW5lV2VpZ2h0IjowLjAsIkxpbmVUeXBlIjowLCJQYXJlbnRTdHlsZSI6bnVsbH0sIlBhcmVudFN0eWxlIjpudWxsfSwiSXNBYm92ZVRpbWViYW5kIjpmYWxzZSwiTWFyZ2luIjp7IiRpZCI6IjUyMiIsIlRvcCI6MC4wLCJMZWZ0IjowLjAsIlJpZ2h0IjowLjAsIkJvdHRvbSI6MC4wfSwiUGFkZGluZyI6eyIkaWQiOiI1MjMiLCJUb3AiOjAuMCwiTGVmdCI6MC4wLCJSaWdodCI6MC4wLCJCb3R0b20iOjAuMH0sIklzVmlzaWJsZSI6dHJ1ZSwiV2lkdGgiOjAuMCwiSGVpZ2h0IjowLjAsIkJvcmRlclN0eWxlIjp7IiRpZCI6IjUyNCIsIkxpbmVDb2xvciI6bnVsbCwiTGluZVdlaWdodCI6MC4wLCJMaW5lVHlwZSI6MCwiUGFyZW50U3R5bGUiOm51bGx9LCJQYXJlbnRTdHlsZSI6bnVsbH19XSwiQ3VsdHVyZUluZm9OYW1lIjoiZW4tVVMiLCJTdHlsZU5hbWUiOm51bGwsIlZlcnNpb24iOnsiJGlkIjoiNTI1IiwiVmVyc2lvbiI6IjMuNi4xIiwiT3JpZ2luYWxBc3NlbWJseVZlcnNpb24iOiI2LjA2LjAyLjAwIiwiRWRpdGlvbiI6bnVsbCwiTGFzdFNhdmVkRWRpdGlvbiI6MCwiSXNQbHVzRWRpdGlvbiI6ZmFsc2UsIklzUHJvRWRpdGlvbiI6ZmFsc2V9LCJFZmZlY3QiOjEsIlN0eWxlIjp7IiRpZCI6IjUyNiIsIlRpbWViYW5kU3R5bGUiOnsiJGlkIjoiNTI3IiwiU2NhbGVNYXJraW5nIjowLCJTaGFwZSI6MCwiU2hhcGVTdHlsZSI6eyIkaWQiOiI1MjgiLCJNYXJnaW4iOnsiJGlkIjoiNTI5IiwiVG9wIjowLjAsIkxlZnQiOjEwLjAsIlJpZ2h0IjoxMC4wLCJCb3R0b20iOjAuMH0sIlBhZGRpbmciOnsiJGlkIjoiNTMwIiwiVG9wIjo1LjAsIkxlZnQiOjEzLjAsIlJpZ2h0IjoxMy4wLCJCb3R0b20iOjUuMH0sIkJhY2tncm91bmQiOnsiJGlkIjoiNTMxIiwiQ29sb3IiOnsiJGlkIjoiNTMyIiwiQSI6MjU1LCJSIjo2OCwiRyI6ODQsIkIiOjEwNn19LCJJc1Zpc2libGUiOnRydWUsIldpZHRoIjo4NTguMCwiSGVpZ2h0IjozMC4wLCJCb3JkZXJTdHlsZSI6eyIkaWQiOiI1MzMiLCJMaW5lQ29sb3IiOnsiJGlkIjoiNTM0IiwiJHR5cGUiOiJOTFJFLkNvbW1vbi5Eb20uU29saWRDb2xvckJydXNoLCBOTFJFLkNvbW1vbiIsIkNvbG9yIjp7IiRpZCI6IjUzNSIsIkEiOjI1NSwiUiI6MjU1LCJHIjowLCJCIjowfX0sIkxpbmVXZWlnaHQiOjAuMCwiTGluZVR5cGUiOjAsIlBhcmVudFN0eWxlIjpudWxsfSwiUGFyZW50U3R5bGUiOm51bGx9LCJNaWRkbGVUaWVyU2hhcGVTdHlsZSI6eyIkaWQiOiI1MzYiLCJNYXJnaW4iOnsiJGlkIjoiNTM3IiwiVG9wIjowLjAsIkxlZnQiOjEwLjAsIlJpZ2h0IjoxMC4wLCJCb3R0b20iOjAuMH0sIlBhZGRpbmciOnsiJGlkIjoiNTM4IiwiVG9wIjo1LjAsIkxlZnQiOjEzLjAsIlJpZ2h0IjoxMy4wLCJCb3R0b20iOjUuMH0sIkJhY2tncm91bmQiOnsiJGlkIjoiNTM5IiwiQ29sb3IiOnsiJGlkIjoiNTQwIiwiQSI6MjU1LCJSIjo2OCwiRyI6ODQsIkIiOjEwNn19LCJJc1Zpc2libGUiOnRydWUsIldpZHRoIjo4NTguMCwiSGVpZ2h0IjozMC4wLCJCb3JkZXJTdHlsZSI6eyIkaWQiOiI1NDEiLCJMaW5lQ29sb3IiOnsiJGlkIjoiNTQyIiwiJHR5cGUiOiJOTFJFLkNvbW1vbi5Eb20uU29saWRDb2xvckJydXNoLCBOTFJFLkNvbW1vbiIsIkNvbG9yIjp7IiRpZCI6IjU0MyIsIkEiOjI1NSwiUiI6MjU1LCJHIjowLCJCIjowfX0sIkxpbmVXZWlnaHQiOjAuMCwiTGluZVR5cGUiOjAsIlBhcmVudFN0eWxlIjpudWxsfSwiUGFyZW50U3R5bGUiOm51bGx9LCJCb3R0b21UaWVyU2hhcGVTdHlsZSI6eyIkaWQiOiI1NDQiLCJNYXJnaW4iOnsiJGlkIjoiNTQ1IiwiVG9wIjowLjAsIkxlZnQiOjEwLjAsIlJpZ2h0IjoxMC4wLCJCb3R0b20iOjAuMH0sIlBhZGRpbmciOnsiJGlkIjoiNTQ2IiwiVG9wIjo1LjAsIkxlZnQiOjEzLjAsIlJpZ2h0IjoxMy4wLCJCb3R0b20iOjUuMH0sIkJhY2tncm91bmQiOnsiJGlkIjoiNTQ3IiwiQ29sb3IiOnsiJGlkIjoiNTQ4IiwiQSI6MjU1LCJSIjo2OCwiRyI6ODQsIkIiOjEwNn19LCJJc1Zpc2libGUiOnRydWUsIldpZHRoIjo4NTguMCwiSGVpZ2h0IjozMC4wLCJCb3JkZXJTdHlsZSI6eyIkaWQiOiI1NDkiLCJMaW5lQ29sb3IiOnsiJGlkIjoiNTUwIiwiJHR5cGUiOiJOTFJFLkNvbW1vbi5Eb20uU29saWRDb2xvckJydXNoLCBOTFJFLkNvbW1vbiIsIkNvbG9yIjp7IiRpZCI6IjU1MSIsIkEiOjI1NSwiUiI6MjU1LCJHIjowLCJCIjowfX0sIkxpbmVXZWlnaHQiOjAuMCwiTGluZVR5cGUiOjAsIlBhcmVudFN0eWxlIjpudWxsfSwiUGFyZW50U3R5bGUiOm51bGx9LCJSaWdodEVuZENhcHNTdHlsZSI6eyIkaWQiOiI1NTIiLCJGb250U2V0dGluZ3MiOnsiJGlkIjoiNTUzIiwiRm9udFNpemUiOjE4LCJGb250TmFtZSI6IkNhbGlicmkiLCJJc0JvbGQiOnRydWUsIklzSXRhbGljIjpmYWxzZSwiSXNVbmRlcmxpbmVkIjpmYWxzZSwiUGFyZW50U3R5bGUiOm51bGx9LCJBdXRvU2l6ZSI6MCwiRm9yZWdyb3VuZCI6eyIkaWQiOiI1NTQiLCJDb2xvciI6eyIkaWQiOiI1NTUiLCJBIjoyNTUsIlIiOjIzNywiRyI6MTI1LCJCIjo0OX19LCJNYXhXaWR0aCI6IkluZmluaXR5IiwiTWF4SGVpZ2h0IjoiSW5maW5pdHkiLCJTbWFydEZvcmVncm91bmRJc0FjdGl2ZSI6ZmFsc2UsIkhvcml6b250YWxBbGlnbm1lbnQiOjAsIlZlcnRpY2FsQWxpZ25tZW50IjowLCJTbWFydEZvcmVncm91bmQiOm51bGwsIkJhY2tncm91bmRGaWxsVHlwZSI6MCwiTWFyZ2luIjp7IiRpZCI6IjU1NiIsIlRvcCI6MC4wLCJMZWZ0IjowLjAsIlJpZ2h0IjoyMC4wLCJCb3R0b20iOjAuMH0sIlBhZGRpbmciOnsiJGlkIjoiNTU3IiwiVG9wIjowLjAsIkxlZnQiOjAuMCwiUmlnaHQiOjAuMCwiQm90dG9tIjowLjB9LCJCYWNrZ3JvdW5kIjp7IiRpZCI6IjU1OCIsIkNvbG9yIjp7IiRyZWYiOiIxNSJ9fSwiSXNWaXNpYmxlIjp0cnVlLCJXaWR0aCI6MC4wLCJIZWlnaHQiOjAuMCwiQm9yZGVyU3R5bGUiOm51bGwsIlBhcmVudFN0eWxlIjpudWxsfSwiTGVmdEVuZENhcHNTdHlsZSI6eyIkaWQiOiI1NTkiLCJGb250U2V0dGluZ3MiOnsiJGlkIjoiNTYwIiwiRm9udFNpemUiOjE4LCJGb250TmFtZSI6IkNhbGlicmkiLCJJc0JvbGQiOnRydWUsIklzSXRhbGljIjpmYWxzZSwiSXNVbmRlcmxpbmVkIjpmYWxzZSwiUGFyZW50U3R5bGUiOm51bGx9LCJBdXRvU2l6ZSI6MCwiRm9yZWdyb3VuZCI6eyIkaWQiOiI1NjEiLCJDb2xvciI6eyIkaWQiOiI1NjIiLCJBIjoyNTUsIlIiOjIzNywiRyI6MTI1LCJCIjo0OX19LCJNYXhXaWR0aCI6IkluZmluaXR5IiwiTWF4SGVpZ2h0IjoiSW5maW5pdHkiLCJTbWFydEZvcmVncm91bmRJc0FjdGl2ZSI6ZmFsc2UsIkhvcml6b250YWxBbGlnbm1lbnQiOjAsIlZlcnRpY2FsQWxpZ25tZW50IjowLCJTbWFydEZvcmVncm91bmQiOm51bGwsIkJhY2tncm91bmRGaWxsVHlwZSI6MCwiTWFyZ2luIjp7IiRpZCI6IjU2MyIsIlRvcCI6MC4wLCJMZWZ0IjoxMTUuNTA2NjY2NjY2NjY2NjYsIlJpZ2h0IjowLjAsIkJvdHRvbSI6MC4wfSwiUGFkZGluZyI6eyIkaWQiOiI1NjQiLCJUb3AiOjAuMCwiTGVmdCI6MC4wLCJSaWdodCI6MC4wLCJCb3R0b20iOjAuMH0sIkJhY2tncm91bmQiOnsiJGlkIjoiNTY1IiwiQ29sb3IiOnsiJHJlZiI6IjE1In19LCJJc1Zpc2libGUiOmZhbHNlLCJXaWR0aCI6MC4wLCJIZWlnaHQiOjAuMCwiQm9yZGVyU3R5bGUiOm51bGwsIlBhcmVudFN0eWxlIjpudWxsfSwiVG9kYXlUZXh0U3R5bGUiOnsiJGlkIjoiNTY2IiwiRm9udFNldHRpbmdzIjp7IiRpZCI6IjU2NyIsIkZvbnRTaXplIjoxMiwiRm9udE5hbWUiOiJDYWxpYnJpIiwiSXNCb2xkIjpmYWxzZSwiSXNJdGFsaWMiOmZhbHNlLCJJc1VuZGVybGluZWQiOmZhbHNlLCJQYXJlbnRTdHlsZSI6bnVsbH0sIkF1dG9TaXplIjowLCJGb3JlZ3JvdW5kIjp7IiRpZCI6IjU2OCIsIkNvbG9yIjp7IiRpZCI6IjU2OSIsIkEiOjI1NSwiUiI6MCwiRyI6MCwiQiI6MH19LCJNYXhXaWR0aCI6MjAwLjAsIk1heEhlaWdodCI6IkluZmluaXR5IiwiU21hcnRGb3JlZ3JvdW5kSXNBY3RpdmUiOmZhbHNlLCJIb3Jpem9udGFsQWxpZ25tZW50IjowLCJWZXJ0aWNhbEFsaWdubWVudCI6MCwiU21hcnRGb3JlZ3JvdW5kIjpudWxsLCJCYWNrZ3JvdW5kRmlsbFR5cGUiOjAsIk1hcmdpbiI6eyIkaWQiOiI1NzAiLCJUb3AiOjAuMCwiTGVmdCI6MC4wLCJSaWdodCI6MC4wLCJCb3R0b20iOjAuMH0sIlBhZGRpbmciOnsiJGlkIjoiNTcxIiwiVG9wIjowLjAsIkxlZnQiOjAuMCwiUmlnaHQiOjAuMCwiQm90dG9tIjowLjB9LCJCYWNrZ3JvdW5kIjp7IiRpZCI6IjU3MiIsIkNvbG9yIjp7IiRyZWYiOiIxNSJ9fSwiSXNWaXNpYmxlIjp0cnVlLCJXaWR0aCI6MC4wLCJIZWlnaHQiOjAuMCwiQm9yZGVyU3R5bGUiOm51bGwsIlBhcmVudFN0eWxlIjpudWxsfSwiVG9kYXlNYXJrZXJTdHlsZSI6eyIkaWQiOiI1NzMiLCJNYXJnaW4iOnsiJGlkIjoiNTc0IiwiVG9wIjowLjAsIkxlZnQiOjAuMCwiUmlnaHQiOjAuMCwiQm90dG9tIjowLjB9LCJQYWRkaW5nIjp7IiRpZCI6IjU3NSIsIlRvcCI6MC4wLCJMZWZ0IjowLjAsIlJpZ2h0IjowLjAsIkJvdHRvbSI6MC4wfSwiQmFja2dyb3VuZCI6eyIkaWQiOiI1NzYiLCJDb2xvciI6eyIkaWQiOiI1NzciLCJBIjoyNTUsIlIiOjI1NSwiRyI6MCwiQiI6MH19LCJJc1Zpc2libGUiOnRydWUsIldpZHRoIjowLjAsIkhlaWdodCI6MC4wLCJCb3JkZXJTdHlsZSI6bnVsbCwiUGFyZW50U3R5bGUiOm51bGx9LCJTY2FsZVN0eWxlIjp7IiRpZCI6IjU3OCIsIlNoYXBlIjo0LCJTaG93U2VnbWVudFNlcGFyYXRvcnMiOnRydWUsIlNlZ21lbnRTZXBhcmF0b3JPcGFjaXR5IjozMCwiSGFzQmVlblZpc2libGVCZWZvcmUiOnRydWUsIkZvbnRTZXR0aW5ncyI6eyIkaWQiOiI1NzkiLCJGb250U2l6ZSI6MTIsIkZvbnROYW1lIjoiQ2FsaWJyaSIsIklzQm9sZCI6ZmFsc2UsIklzSXRhbGljIjpmYWxzZSwiSXNVbmRlcmxpbmVkIjpmYWxzZSwiUGFyZW50U3R5bGUiOm51bGx9LCJBdXRvU2l6ZSI6MCwiRm9yZWdyb3VuZCI6eyIkaWQiOiI1ODAiLCJDb2xvciI6eyIkaWQiOiI1ODEiLCJBIjoyNTUsIlIiOjI1NSwiRyI6MjU1LCJCIjoyNTV9fSwiTWF4V2lkdGgiOjIwMC4wLCJNYXhIZWlnaHQiOiJJbmZpbml0eSIsIlNtYXJ0Rm9yZWdyb3VuZElzQWN0aXZlIjpmYWxzZSwiSG9yaXpvbnRhbEFsaWdubWVudCI6MCwiVmVydGljYWxBbGlnbm1lbnQiOjEsIlNtYXJ0Rm9yZWdyb3VuZCI6bnVsbCwiQmFja2dyb3VuZEZpbGxUeXBlIjowLCJNYXJnaW4iOnsiJGlkIjoiNTgyIiwiVG9wIjowLjAsIkxlZnQiOjUuMCwiUmlnaHQiOjAuMCwiQm90dG9tIjowLjB9LCJQYWRkaW5nIjp7IiRpZCI6IjU4MyIsIlRvcCI6MC4wLCJMZWZ0IjowLjAsIlJpZ2h0IjowLjAsIkJvdHRvbSI6MC4wfSwiQmFja2dyb3VuZCI6eyIkaWQiOiI1ODQiLCJDb2xvciI6eyIkcmVmIjoiMTUifX0sIklzVmlzaWJsZSI6dHJ1ZSwiV2lkdGgiOjAuMCwiSGVpZ2h0IjowLjAsIkJvcmRlclN0eWxlIjpudWxsLCJQYXJlbnRTdHlsZSI6bnVsbH0sIlNpbmdsZVNjYWxlU2hhcGVTdHlsZSI6eyIkaWQiOiI1ODUiLCJTaGFwZSI6MCwiSGVpZ2h0IjowLjB9LCJNaWRkbGVUaWVyU2NhbGVTdHlsZSI6eyIkaWQiOiI1ODYiLCJTaGFwZSI6NCwiU2hvd1NlZ21lbnRTZXBhcmF0b3JzIjp0cnVlLCJTZWdtZW50U2VwYXJhdG9yT3BhY2l0eSI6MzAsIkhhc0JlZW5WaXNpYmxlQmVmb3JlIjpmYWxzZSwiRm9udFNldHRpbmdzIjp7IiRpZCI6IjU4NyIsIkZvbnRTaXplIjoxMiwiRm9udE5hbWUiOiJDYWxpYnJpIiwiSXNCb2xkIjpmYWxzZSwiSXNJdGFsaWMiOmZhbHNlLCJJc1VuZGVybGluZWQiOmZhbHNlLCJQYXJlbnRTdHlsZSI6bnVsbH0sIkF1dG9TaXplIjowLCJGb3JlZ3JvdW5kIjp7IiRpZCI6IjU4OCIsIkNvbG9yIjp7IiRpZCI6IjU4OSIsIkEiOjI1NSwiUiI6MjU1LCJHIjoyNTUsIkIiOjI1NX19LCJNYXhXaWR0aCI6MjAwLjAsIk1heEhlaWdodCI6IkluZmluaXR5IiwiU21hcnRGb3JlZ3JvdW5kSXNBY3RpdmUiOmZhbHNlLCJIb3Jpem9udGFsQWxpZ25tZW50IjowLCJWZXJ0aWNhbEFsaWdubWVudCI6MSwiU21hcnRGb3JlZ3JvdW5kIjpudWxsLCJCYWNrZ3JvdW5kRmlsbFR5cGUiOjAsIk1hcmdpbiI6eyIkaWQiOiI1OTAiLCJUb3AiOjAuMCwiTGVmdCI6NS4wLCJSaWdodCI6MC4wLCJCb3R0b20iOjAuMH0sIlBhZGRpbmciOnsiJGlkIjoiNTkxIiwiVG9wIjowLjAsIkxlZnQiOjAuMCwiUmlnaHQiOjAuMCwiQm90dG9tIjowLjB9LCJCYWNrZ3JvdW5kIjp7IiRpZCI6IjU5MiIsIkNvbG9yIjp7IiRpZCI6IjU5MyIsIkEiOjAsIlIiOjAsIkciOjAsIkIiOjB9fSwiSXNWaXNpYmxlIjpmYWxzZSwiV2lkdGgiOjAuMCwiSGVpZ2h0IjowLjAsIkJvcmRlclN0eWxlIjpudWxsLCJQYXJlbnRTdHlsZSI6bnVsbH0sIkJvdHRvbVRpZXJTY2FsZVN0eWxlIjp7IiRpZCI6IjU5NCIsIlNoYXBlIjo0LCJTaG93U2VnbWVudFNlcGFyYXRvcnMiOnRydWUsIlNlZ21lbnRTZXBhcmF0b3JPcGFjaXR5IjozMCwiSGFzQmVlblZpc2libGVCZWZvcmUiOmZhbHNlLCJGb250U2V0dGluZ3MiOnsiJGlkIjoiNTk1IiwiRm9udFNpemUiOjEyLCJGb250TmFtZSI6IkNhbGlicmkiLCJJc0JvbGQiOmZhbHNlLCJJc0l0YWxpYyI6ZmFsc2UsIklzVW5kZXJsaW5lZCI6ZmFsc2UsIlBhcmVudFN0eWxlIjpudWxsfSwiQXV0b1NpemUiOjAsIkZvcmVncm91bmQiOnsiJGlkIjoiNTk2IiwiQ29sb3IiOnsiJGlkIjoiNTk3IiwiQSI6MjU1LCJSIjoyNTUsIkciOjI1NSwiQiI6MjU1fX0sIk1heFdpZHRoIjoyMDAuMCwiTWF4SGVpZ2h0IjoiSW5maW5pdHkiLCJTbWFydEZvcmVncm91bmRJc0FjdGl2ZSI6ZmFsc2UsIkhvcml6b250YWxBbGlnbm1lbnQiOjAsIlZlcnRpY2FsQWxpZ25tZW50IjoxLCJTbWFydEZvcmVncm91bmQiOm51bGwsIkJhY2tncm91bmRGaWxsVHlwZSI6MCwiTWFyZ2luIjp7IiRpZCI6IjU5OCIsIlRvcCI6MC4wLCJMZWZ0Ijo1LjAsIlJpZ2h0IjowLjAsIkJvdHRvbSI6MC4wfSwiUGFkZGluZyI6eyIkaWQiOiI1OTkiLCJUb3AiOjAuMCwiTGVmdCI6MC4wLCJSaWdodCI6MC4wLCJCb3R0b20iOjAuMH0sIkJhY2tncm91bmQiOnsiJGlkIjoiNjAwIiwiQ29sb3IiOnsiJGlkIjoiNjAxIiwiQSI6MCwiUiI6MCwiRyI6MCwiQiI6MH19LCJJc1Zpc2libGUiOmZhbHNlLCJXaWR0aCI6MC4wLCJIZWlnaHQiOjAuMCwiQm9yZGVyU3R5bGUiOm51bGwsIlBhcmVudFN0eWxlIjpudWxsfSwiRWxhcHNlZFRpbWVCYWNrZ3JvdW5kIjp7IiRpZCI6IjYwMiIsIkNvbG9yIjp7IiRpZCI6IjYwMyIsIkEiOjc3LCJSIjoyNTUsIkciOjAsIkIiOjB9fSwiQXBwZW5kWWVhck9uWWVhckNoYW5nZSI6dHJ1ZSwiRWxhcHNlZFRpbWVGb3JtYXQiOjEsIlRvZGF5TWFya2VyUG9zaXRpb24iOjMsIlF1aWNrUG9zaXRpb24iOjMsIkFic29sdXRlUG9zaXRpb24iOjI0MC4wLCJNYXJnaW4iOnsiJGlkIjoiNjA0IiwiVG9wIjowLjAsIkxlZnQiOjEwLjAsIlJpZ2h0IjoxMC4wLCJCb3R0b20iOjAuMH0sIlBhZGRpbmciOnsiJGlkIjoiNjA1IiwiVG9wIjowLjAsIkxlZnQiOjAuMCwiUmlnaHQiOjAuMCwiQm90dG9tIjowLjB9LCJCYWNrZ3JvdW5kIjp7IiRpZCI6IjYwNiIsIkNvbG9yIjp7IiRpZCI6IjYwNyIsIkEiOjI1NSwiUiI6MTE1LCJHIjoxMTUsIkIiOjExNX19LCJJc1Zpc2libGUiOnRydWUsIldpZHRoIjowLjAsIkhlaWdodCI6MC4wLCJCb3JkZXJTdHlsZSI6bnVsbCwiUGFyZW50U3R5bGUiOm51bGx9LCJEZWZhdWx0TWlsZXN0b25lU3R5bGUiOnsiJGlkIjoiNjA4IiwiU2hhcGUiOjAsIkNvbm5lY3Rvck1hcmdpbiI6eyIkaWQiOiI2MDkiLCJUb3AiOjAuMCwiTGVmdCI6Mi4wLCJSaWdodCI6Mi4wLCJCb3R0b20iOjAuMH0sIkNvbm5lY3RvclN0eWxlIjp7IiRpZCI6IjYxMCIsIkxpbmVDb2xvciI6eyIkaWQiOiI2MTEiLCIkdHlwZSI6Ik5MUkUuQ29tbW9uLkRvbS5Tb2xpZENvbG9yQnJ1c2gsIE5MUkUuQ29tbW9uIiwiQ29sb3IiOnsiJGlkIjoiNjEyIiwiQSI6MTI3LCJSIjozMSwiRyI6NzMsIkIiOjEyNn19LCJMaW5lV2VpZ2h0IjoxLjAsIkxpbmVUeXBlIjowLCJQYXJlbnRTdHlsZSI6bnVsbH0sIklzQmVsb3dUaW1lYmFuZCI6ZmFsc2UsIlBvc2l0aW9uT25UYXNrIjowLCJIaWRlRGF0ZSI6ZmFsc2UsIlNoYXBlU2l6ZSI6MSwiU3BhY2luZyI6Mi4wLCJQYWRkaW5nIjp7IiRpZCI6IjYxMyIsIlRvcCI6Ny4wLCJMZWZ0IjozLjAsIlJpZ2h0IjowLjAsIkJvdHRvbSI6Mi4wfSwiU2hhcGVTdHlsZSI6eyIkaWQiOiI2MTQiLCJNYXJnaW4iOnsiJGlkIjoiNjE1IiwiVG9wIjowLjAsIkxlZnQiOjAuMCwiUmlnaHQiOjAuMCwiQm90dG9tIjowLjB9LCJQYWRkaW5nIjp7IiRpZCI6IjYxNiIsIlRvcCI6MC4wLCJMZWZ0IjowLjAsIlJpZ2h0IjowLjAsIkJvdHRvbSI6MC4wfSwiQmFja2dyb3VuZCI6eyIkaWQiOiI2MTciLCJDb2xvciI6eyIkaWQiOiI2MTgiLCJBIjoyNTUsIlIiOjAsIkciOjExNCwiQiI6MTg4fX0sIklzVmlzaWJsZSI6dHJ1ZSwiV2lkdGgiOjE4LjAsIkhlaWdodCI6MjAuMCwiQm9yZGVyU3R5bGUiOnsiJGlkIjoiNjE5IiwiTGluZUNvbG9yIjp7IiRpZCI6IjYyMCIsIiR0eXBlIjoiTkxSRS5Db21tb24uRG9tLlNvbGlkQ29sb3JCcnVzaCwgTkxSRS5Db21tb24iLCJDb2xvciI6eyIkaWQiOiI2MjEiLCJBIjoyNTUsIlIiOjI1NSwiRyI6MCwiQiI6MH19LCJMaW5lV2VpZ2h0IjowLjAsIkxpbmVUeXBlIjowLCJQYXJlbnRTdHlsZSI6bnVsbH0sIlBhcmVudFN0eWxlIjpudWxsfSwiVGl0bGVTdHlsZSI6eyIkaWQiOiI2MjIiLCJGb250U2V0dGluZ3MiOnsiJGlkIjoiNjIzIiwiRm9udFNpemUiOjExLCJGb250TmFtZSI6IkNhbGlicmkiLCJJc0JvbGQiOnRydWUsIklzSXRhbGljIjpmYWxzZSwiSXNVbmRlcmxpbmVkIjpmYWxzZSwiUGFyZW50U3R5bGUiOm51bGx9LCJBdXRvU2l6ZSI6MCwiRm9yZWdyb3VuZCI6eyIkaWQiOiI2MjQiLCJDb2xvciI6eyIkaWQiOiI2MjUiLCJBIjoyNTUsIlIiOjAsIkciOjAsIkIiOjB9fSwiTWF4V2lkdGgiOjIwMC4wLCJNYXhIZWlnaHQiOiJJbmZpbml0eSIsIlNtYXJ0Rm9yZWdyb3VuZElzQWN0aXZlIjpmYWxzZSwiSG9yaXpvbnRhbEFsaWdubWVudCI6MSwiVmVydGljYWxBbGlnbm1lbnQiOjAsIlNtYXJ0Rm9yZWdyb3VuZCI6bnVsbCwiQmFja2dyb3VuZEZpbGxUeXBlIjowLCJNYXJnaW4iOnsiJGlkIjoiNjI2IiwiVG9wIjowLjAsIkxlZnQiOjAuMCwiUmlnaHQiOjAuMCwiQm90dG9tIjowLjB9LCJQYWRkaW5nIjp7IiRpZCI6IjYyNyIsIlRvcCI6MC4wLCJMZWZ0IjowLjAsIlJpZ2h0IjowLjAsIkJvdHRvbSI6MC4wfSwiQmFja2dyb3VuZCI6eyIkaWQiOiI2MjgiLCJDb2xvciI6eyIkcmVmIjoiMTUifX0sIklzVmlzaWJsZSI6dHJ1ZSwiV2lkdGgiOjAuMCwiSGVpZ2h0IjowLjAsIkJvcmRlclN0eWxlIjpudWxsLCJQYXJlbnRTdHlsZSI6bnVsbH0sIkRhdGVTdHlsZSI6eyIkaWQiOiI2MjkiLCJGb250U2V0dGluZ3MiOnsiJGlkIjoiNjMwIiwiRm9udFNpemUiOjEwLCJGb250TmFtZSI6IkNhbGlicmkiLCJJc0JvbGQiOmZhbHNlLCJJc0l0YWxpYyI6ZmFsc2UsIklzVW5kZXJsaW5lZCI6ZmFsc2UsIlBhcmVudFN0eWxlIjpudWxsfSwiQXV0b1NpemUiOjAsIkZvcmVncm91bmQiOnsiJGlkIjoiNjMxIiwiQ29sb3IiOnsiJGlkIjoiNjMyIiwiQSI6MjU1LCJSIjo2OCwiRyI6ODQsIkIiOjEwNn19LCJNYXhXaWR0aCI6MjAwLjAsIk1heEhlaWdodCI6IkluZmluaXR5IiwiU21hcnRGb3JlZ3JvdW5kSXNBY3RpdmUiOmZhbHNlLCJIb3Jpem9udGFsQWxpZ25tZW50IjowLCJWZXJ0aWNhbEFsaWdubWVudCI6MCwiU21hcnRGb3JlZ3JvdW5kIjpudWxsLCJCYWNrZ3JvdW5kRmlsbFR5cGUiOjAsIk1hcmdpbiI6eyIkaWQiOiI2MzMiLCJUb3AiOjAuMCwiTGVmdCI6MC4wLCJSaWdodCI6MC4wLCJCb3R0b20iOjAuMH0sIlBhZGRpbmciOnsiJGlkIjoiNjM0IiwiVG9wIjowLjAsIkxlZnQiOjAuMCwiUmlnaHQiOjAuMCwiQm90dG9tIjowLjB9LCJCYWNrZ3JvdW5kIjp7IiRpZCI6IjYzNSIsIkNvbG9yIjp7IiRyZWYiOiIxNSJ9fSwiSXNWaXNpYmxlIjp0cnVlLCJXaWR0aCI6MC4wLCJIZWlnaHQiOjAuMCwiQm9yZGVyU3R5bGUiOm51bGwsIlBhcmVudFN0eWxlIjpudWxsfSwiRGF0ZUZvcm1hdCI6eyIkaWQiOiI2MzYiLCJGb3JtYXRTdHJpbmciOiJNTU0gZCIsIlNlcGFyYXRvciI6Ii8iLCJVc2VJbnRlcm5hdGlvbmFsRGF0ZUZvcm1hdCI6ZmFsc2UsIkRhdGVJc1Zpc2libGUiOnRydWUsIlRpbWVJc1Zpc2libGUiOmZhbHNlLCJIb3VyRGlnaXRzIjoxLCJBbVBtRGVzaWduYXRvciI6MiwiVHJpbTAwTWludXRlcyI6ZmFsc2UsIkxhc3RLbm93blZpc2liaWxpdHlTdGF0ZSI6bnVsbH0sIldlZWtOdW1iZXJpbmciOnsiJGlkIjoiNjM3IiwiRm9ybWF0IjowLCJJc1Zpc2libGUiOmZhbHNlLCJMYXN0S25vd25WaXNpYmlsaXR5U3RhdGUiOmZhbHNlfSwiSXNWaXNpYmxlIjp0cnVlLCJQYXJlbnRTdHlsZSI6bnVsbH0sIkRlZmF1bHRUYXNrU3R5bGUiOnsiJGlkIjoiNjM4IiwiU2hhcGUiOjIsIlNoYXBlVGhpY2tuZXNzIjoxLCJEdXJhdGlvbkZvcm1hdCI6MCwiSW5jbHVkZU5vbldvcmtpbmdEYXlzSW5EdXJhdGlvbiI6ZmFsc2UsIlBlcmNlbnRhZ2VDb21wbGV0ZVN0eWxlIjp7IiRpZCI6IjYzOSIsIkZvbnRTZXR0aW5ncyI6eyIkaWQiOiI2NDAiLCJGb250U2l6ZSI6MTAsIkZvbnROYW1lIjoiQ2FsaWJyaSIsIklzQm9sZCI6ZmFsc2UsIklzSXRhbGljIjpmYWxzZSwiSXNVbmRlcmxpbmVkIjpmYWxzZSwiUGFyZW50U3R5bGUiOm51bGx9LCJBdXRvU2l6ZSI6MCwiRm9yZWdyb3VuZCI6eyIkcmVmIjoiMTAifSwiTWF4V2lkdGgiOjIwMC4wLCJNYXhIZWlnaHQiOiJJbmZpbml0eSIsIlNtYXJ0Rm9yZWdyb3VuZElzQWN0aXZlIjpmYWxzZSwiSG9yaXpvbnRhbEFsaWdubWVudCI6MCwiVmVydGljYWxBbGlnbm1lbnQiOjAsIlNtYXJ0Rm9yZWdyb3VuZCI6bnVsbCwiQmFja2dyb3VuZEZpbGxUeXBlIjowLCJNYXJnaW4iOnsiJHJlZiI6IjEyIn0sIlBhZGRpbmciOnsiJHJlZiI6IjEzIn0sIkJhY2tncm91bmQiOnsiJHJlZiI6IjE0In0sIklzVmlzaWJsZSI6dHJ1ZSwiV2lkdGgiOjAuMCwiSGVpZ2h0IjowLjAsIkJvcmRlclN0eWxlIjpudWxsLCJQYXJlbnRTdHlsZSI6bnVsbH0sIkR1cmF0aW9uU3R5bGUiOnsiJGlkIjoiNjQxIiwiRm9udFNldHRpbmdzIjp7IiRpZCI6IjY0MiIsIkZvbnRTaXplIjoxMCwiRm9udE5hbWUiOiJDYWxpYnJpIiwiSXNCb2xkIjpmYWxzZSwiSXNJdGFsaWMiOmZhbHNlLCJJc1VuZGVybGluZWQiOmZhbHNlLCJQYXJlbnRTdHlsZSI6bnVsbH0sIkF1dG9TaXplIjowLCJGb3JlZ3JvdW5kIjp7IiRyZWYiOiIxOSJ9LCJNYXhXaWR0aCI6MjAwLjAsIk1heEhlaWdodCI6IkluZmluaXR5IiwiU21hcnRGb3JlZ3JvdW5kSXNBY3RpdmUiOmZhbHNlLCJIb3Jpem9udGFsQWxpZ25tZW50IjowLCJWZXJ0aWNhbEFsaWdubWVudCI6MCwiU21hcnRGb3JlZ3JvdW5kIjpudWxsLCJCYWNrZ3JvdW5kRmlsbFR5cGUiOjAsIk1hcmdpbiI6eyIkcmVmIjoiMjEifSwiUGFkZGluZyI6eyIkcmVmIjoiMjIifSwiQmFja2dyb3VuZCI6eyIkcmVmIjoiMjMifSwiSXNWaXNpYmxlIjp0cnVlLCJXaWR0aCI6MC4wLCJIZWlnaHQiOjAuMCwiQm9yZGVyU3R5bGUiOm51bGwsIlBhcmVudFN0eWxlIjpudWxsfSwiSG9yaXpvbnRhbENvbm5lY3RvclN0eWxlIjp7IiRpZCI6IjY0MyIsIkxpbmVDb2xvciI6eyIkcmVmIjoiMjYifSwiTGluZVdlaWdodCI6MS4wLCJMaW5lVHlwZSI6MCwiUGFyZW50U3R5bGUiOm51bGx9LCJWZXJ0aWNhbENvbm5lY3RvclN0eWxlIjp7IiRpZCI6IjY0NCIsIkxpbmVDb2xvciI6eyIkcmVmIjoiMjkifSwiTGluZVdlaWdodCI6MC4wLCJMaW5lVHlwZSI6MCwiUGFyZW50U3R5bGUiOm51bGx9LCJNYXJnaW4iOm51bGwsIlN0YXJ0RGF0ZVBvc2l0aW9uIjozLCJFbmREYXRlUG9zaXRpb24iOjQsIkRhdGVJc1Zpc2libGUiOnRydWUsIlRpdGxlUG9zaXRpb24iOjIsIkR1cmF0aW9uUG9zaXRpb24iOjYsIlBlcmNlbnRhZ2VDb21wbGV0ZWRQb3NpdGlvbiI6NiwiU3BhY2luZyI6NSwiSXNCZWxvd1RpbWViYW5kIjp0cnVlLCJQZXJjZW50YWdlQ29tcGxldGVTaGFwZU9wYWNpdHkiOjM1LCJTaGFwZVN0eWxlIjp7IiRpZCI6IjY0NSIsIk1hcmdpbiI6eyIkcmVmIjoiMzIifSwiUGFkZGluZyI6eyIkcmVmIjoiMzMifSwiQmFja2dyb3VuZCI6eyIkaWQiOiI2NDYiLCJDb2xvciI6eyIkaWQiOiI2NDciLCJBIjoyNTUsIlIiOjAsIkciOjExNCwiQiI6MTg4fX0sIklzVmlzaWJsZSI6dHJ1ZSwiV2lkdGgiOjAuMCwiSGVpZ2h0IjoxNi4wLCJCb3JkZXJTdHlsZSI6eyIkaWQiOiI2NDgiLCJMaW5lQ29sb3IiOnsiJGlkIjoiNjQ5IiwiJHR5cGUiOiJOTFJFLkNvbW1vbi5Eb20uU29saWRDb2xvckJydXNoLCBOTFJFLkNvbW1vbiIsIkNvbG9yIjp7IiRpZCI6IjY1MCIsIkEiOjI1NSwiUiI6MjU1LCJHIjowLCJCIjowfX0sIkxpbmVXZWlnaHQiOjAuMCwiTGluZVR5cGUiOjAsIlBhcmVudFN0eWxlIjpudWxsfSwiUGFyZW50U3R5bGUiOm51bGx9LCJUaXRsZVN0eWxlIjp7IiRpZCI6IjY1MSIsIkZvbnRTZXR0aW5ncyI6eyIkaWQiOiI2NTIiLCJGb250U2l6ZSI6MTEsIkZvbnROYW1lIjoiQ2FsaWJyaSIsIklzQm9sZCI6dHJ1ZSwiSXNJdGFsaWMiOmZhbHNlLCJJc1VuZGVybGluZWQiOmZhbHNlLCJQYXJlbnRTdHlsZSI6bnVsbH0sIkF1dG9TaXplIjowLCJGb3JlZ3JvdW5kIjp7IiRpZCI6IjY1MyIsIkNvbG9yIjp7IiRpZCI6IjY1NCIsIkEiOjI1NSwiUiI6MCwiRyI6MCwiQiI6MH19LCJNYXhXaWR0aCI6OTYwLjAsIk1heEhlaWdodCI6IkluZmluaXR5IiwiU21hcnRGb3JlZ3JvdW5kSXNBY3RpdmUiOmZhbHNlLCJIb3Jpem9udGFsQWxpZ25tZW50IjoxLCJWZXJ0aWNhbEFsaWdubWVudCI6MCwiU21hcnRGb3JlZ3JvdW5kIjpudWxsLCJCYWNrZ3JvdW5kRmlsbFR5cGUiOjAsIk1hcmdpbiI6eyIkcmVmIjoiNDMifSwiUGFkZGluZyI6eyIkcmVmIjoiNDQifSwiQmFja2dyb3VuZCI6eyIkaWQiOiI2NTUiLCJDb2xvciI6eyIkcmVmIjoiMTUifX0sIklzVmlzaWJsZSI6dHJ1ZSwiV2lkdGgiOjAuMCwiSGVpZ2h0IjowLjAsIkJvcmRlclN0eWxlIjpudWxsLCJQYXJlbnRTdHlsZSI6bnVsbH0sIkRhdGVTdHlsZSI6eyIkaWQiOiI2NTYiLCJGb250U2V0dGluZ3MiOnsiJGlkIjoiNjU3IiwiRm9udFNpemUiOjEwLCJGb250TmFtZSI6IkNhbGlicmkiLCJJc0JvbGQiOmZhbHNlLCJJc0l0YWxpYyI6ZmFsc2UsIklzVW5kZXJsaW5lZCI6ZmFsc2UsIlBhcmVudFN0eWxlIjpudWxsfSwiQXV0b1NpemUiOjAsIkZvcmVncm91bmQiOnsiJGlkIjoiNjU4IiwiQ29sb3IiOnsiJGlkIjoiNjU5IiwiQSI6MjU1LCJSIjo2OCwiRyI6ODQsIkIiOjEwNn19LCJNYXhXaWR0aCI6MjAwLjAsIk1heEhlaWdodCI6IkluZmluaXR5IiwiU21hcnRGb3JlZ3JvdW5kSXNBY3RpdmUiOmZhbHNlLCJIb3Jpem9udGFsQWxpZ25tZW50IjoxLCJWZXJ0aWNhbEFsaWdubWVudCI6MCwiU21hcnRGb3JlZ3JvdW5kIjpudWxsLCJCYWNrZ3JvdW5kRmlsbFR5cGUiOjAsIk1hcmdpbiI6eyIkcmVmIjoiNTIifSwiUGFkZGluZyI6eyIkcmVmIjoiNTMifSwiQmFja2dyb3VuZCI6eyIkaWQiOiI2NjAiLCJDb2xvciI6eyIkcmVmIjoiMTUifX0sIklzVmlzaWJsZSI6dHJ1ZSwiV2lkdGgiOjAuMCwiSGVpZ2h0IjowLjAsIkJvcmRlclN0eWxlIjpudWxsLCJQYXJlbnRTdHlsZSI6bnVsbH0sIkRhdGVGb3JtYXQiOnsiJGlkIjoiNjYxIiwiRm9ybWF0U3RyaW5nIjoiTU1NIGQiLCJTZXBhcmF0b3IiOiIvIiwiVXNlSW50ZXJuYXRpb25hbERhdGVGb3JtYXQiOmZhbHNlLCJEYXRlSXNWaXNpYmxlIjp0cnVlLCJUaW1lSXNWaXNpYmxlIjpmYWxzZSwiSG91ckRpZ2l0cyI6MSwiQW1QbURlc2lnbmF0b3IiOjIsIlRyaW0wME1pbnV0ZXMiOmZhbHNlLCJMYXN0S25vd25WaXNpYmlsaXR5U3RhdGUiOm51bGx9LCJXZWVrTnVtYmVyaW5nIjp7IiRpZCI6IjY2MiIsIkZvcm1hdCI6MCwiSXNWaXNpYmxlIjpmYWxzZSwiTGFzdEtub3duVmlzaWJpbGl0eVN0YXRlIjpmYWxzZX0sIklzVmlzaWJsZSI6dHJ1ZSwiUGFyZW50U3R5bGUiOm51bGwsIl9leHBsaWNpdGx5U2V0Ijp7IiRpZCI6IjY2MyIsIlNoYXBlU3R5bGUiOmZhbHNlLCJUaXRsZVN0eWxlIjpmYWxzZSwiRGF0ZVN0eWxlIjpmYWxzZSwiSG9yaXpvbnRhbENvbm5lY3RvclN0eWxlIjpmYWxzZSwiVmVydGljYWxDb25uZWN0b3JTdHlsZSI6ZmFsc2UsIlBlcmNlbnRhZ2VDb21wbGV0ZVNoYXBlT3BhY2l0eSI6ZmFsc2UsIlNoYXBlIjpmYWxzZSwiU2hhcGVUaGlja25lc3MiOmZhbHNlLCJEdXJhdGlvbkZvcm1hdCI6ZmFsc2UsIkluY2x1ZGVOb25Xb3JraW5nRGF5c0luRHVyYXRpb24iOmZhbHNlLCJNYXJnaW4iOmZhbHNlLCJTdGFydERhdGVQb3NpdGlvbiI6ZmFsc2UsIkVuZERhdGVQb3NpdGlvbiI6ZmFsc2UsIlRpdGxlUG9zaXRpb24iOmZhbHNlLCJEdXJhdGlvblBvc2l0aW9uIjpmYWxzZSwiUGVyY2VudGFnZUNvbXBsZXRlZFBvc2l0aW9uIjpmYWxzZSwiU3BhY2luZyI6ZmFsc2UsIklzQmVsb3dUaW1lYmFuZCI6ZmFsc2UsIkRhdGVGb3JtYXQiOmZhbHNlLCJXZWVrTnVtYmVyaW5nIjpmYWxzZSwiSXNWaXNpYmxlIjpmYWxzZX19LCJHcmlkbGluZVBhbmVsU3R5bGUiOnsiJGlkIjoiNjY0IiwiR3JpZGxpbmVTdHlsZSI6eyIkaWQiOiI2NjUiLCJMaW5lQ29sb3IiOnsiJGlkIjoiNjY2IiwiJHR5cGUiOiJOTFJFLkNvbW1vbi5Eb20uU29saWRDb2xvckJydXNoLCBOTFJFLkNvbW1vbiIsIkNvbG9yIjp7IiRpZCI6IjY2NyIsIkEiOjM4LCJSIjo5MSwiRyI6MTU1LCJCIjoyMTN9fSwiTGluZVdlaWdodCI6MS4wLCJMaW5lVHlwZSI6MCwiUGFyZW50U3R5bGUiOm51bGx9LCJNYXJnaW4iOnsiJGlkIjoiNjY4IiwiVG9wIjowLjAsIkxlZnQiOjAuMCwiUmlnaHQiOjAuMCwiQm90dG9tIjowLjB9LCJQYWRkaW5nIjp7IiRpZCI6IjY2OSIsIlRvcCI6MC4wLCJMZWZ0IjowLjAsIlJpZ2h0IjowLjAsIkJvdHRvbSI6MC4wfSwiQmFja2dyb3VuZCI6bnVsbCwiSXNWaXNpYmxlIjp0cnVlLCJXaWR0aCI6MC4wLCJIZWlnaHQiOjAuMCwiQm9yZGVyU3R5bGUiOnsiJGlkIjoiNjcwIiwiTGluZUNvbG9yIjpudWxsLCJMaW5lV2VpZ2h0IjowLjAsIkxpbmVUeXBlIjowLCJQYXJlbnRTdHlsZSI6bnVsbH0sIlBhcmVudFN0eWxlIjpudWxsfSwiQWN0aXZpdHlMaW5lUGFuZWxTdHlsZSI6eyIkaWQiOiI2NzEiLCJBY3Rpdml0eUxpbmVTdHlsZSI6eyIkaWQiOiI2NzIiLCJMaW5lQ29sb3IiOnsiJGlkIjoiNjczIiwiJHR5cGUiOiJOTFJFLkNvbW1vbi5Eb20uU29saWRDb2xvckJydXNoLCBOTFJFLkNvbW1vbiIsIkNvbG9yIjp7IiRpZCI6IjY3NCIsIkEiOjM4LCJSIjo2OCwiRyI6MTE0LCJCIjoxOTZ9fSwiTGluZVdlaWdodCI6MS4wLCJMaW5lVHlwZSI6MCwiUGFyZW50U3R5bGUiOm51bGx9LCJNYXJnaW4iOnsiJGlkIjoiNjc1IiwiVG9wIjowLjAsIkxlZnQiOjAuMCwiUmlnaHQiOjAuMCwiQm90dG9tIjowLjB9LCJQYWRkaW5nIjp7IiRpZCI6IjY3NiIsIlRvcCI6MC4wLCJMZWZ0IjowLjAsIlJpZ2h0IjowLjAsIkJvdHRvbSI6MC4wfSwiQmFja2dyb3VuZCI6bnVsbCwiSXNWaXNpYmxlIjp0cnVlLCJXaWR0aCI6MC4wLCJIZWlnaHQiOjAuMCwiQm9yZGVyU3R5bGUiOnsiJGlkIjoiNjc3IiwiTGluZUNvbG9yIjpudWxsLCJMaW5lV2VpZ2h0IjowLjAsIkxpbmVUeXBlIjowLCJQYXJlbnRTdHlsZSI6bnVsbH0sIlBhcmVudFN0eWxlIjpudWxsfSwiU2hvd0VsYXBzZWRUaW1lR3JhZGllbnRTdHlsZSI6ZmFsc2UsIlRpbWViYW5kUmVzZXJ2ZWRMZWZ0QXJlYVN0eWxlIjp7IiRpZCI6IjY3OCIsIkFjdGl2aXR5SGVhZGVyV2lkdGgiOjc2LjAsIklzU2V0IjpmYWxzZX0sIkRlZmF1bHRTd2ltbGFuZVN0eWxlIjpudWxsfSwiU2NhbGUiOm51bGwsIlNjYWxlVjIiOnsiJGlkIjoiNjc5IiwiU3RhcnREYXRlIjoiMDAwMS0wMS0wMVQwMDowMDowMCIsIkVuZERhdGUiOiIyMDIyLTA2LTMwVDIzOjU5OjAwIiwiQXV0b0RhdGVSYW5nZSI6dHJ1ZSwiV29ya2luZ0RheXMiOjMxLCJGaXNjYWxZZWFyIjp7IiRpZCI6IjY4MCIsIlN0YXJ0TW9udGgiOjEsIlVzZVN0YXJ0aW5nWWVhckZvck51bWJlcmluZyI6dHJ1ZSwiU2hvd0Zpc2NhbFllYXJMYWJlbCI6dHJ1ZX0sIlRvZGF5TWFya2VyVGV4dCI6IlRvZGF5IiwiQXV0b1NjYWxlVHlwZSI6dHJ1ZSwiVGltZWJhbmRTY2FsZXMiOnsiJGlkIjoiNjgxIiwiVG9wU2NhbGVMYXllciI6eyIkaWQiOiI2ODIiLCJGb3JtYXQiOiJkIiwiVHlwZSI6MH0sIk1pZGRsZVNjYWxlTGF5ZXIiOnsiJGlkIjoiNjgzIiwiRm9ybWF0IjpudWxsLCJUeXBlIjowfSwiQm90dG9tU2NhbGVMYXllciI6eyIkaWQiOiI2ODQiLCJGb3JtYXQiOm51bGwsIlR5cGUiOjB9fX0sIk1pbGVzdG9uZXMiOltdLCJUYXNrcyI6W10sIlN3aW1sYW5lcyI6W10sIk1zUHJvamVjdEl0ZW1zVHJlZSI6eyIkaWQiOiI2ODUiLCJSb290Ijp7IkltcG9ydElkIjpudWxsLCJJc0ltcG9ydGVkIjpmYWxzZSwiQ2hpbGRyZW4iOltdfX0sIk1ldGFkYXRhIjp7IiRpZCI6IjY4NiIsIlNvdXJjZVRlbXBsYXRlIjoie1wiJGlkXCI6XCIxXCIsXCJJZFwiOlwiYzExZjZmNDktN2RiOC00NWZkLWJhMzItYmZjYWVhNDkyZjM5XCIsXCJDdWx0dXJlSW5mb05hbWVcIjpcImVuLVVTXCIsXCJWZXJzaW9uXCI6e1wiJGlkXCI6XCIyXCIsXCJUZW1wbGF0ZURvbVZlcnNpb25cIjpcIjEuMi4wXCJ9LFwiRWZmZWN0XCI6MSxcIlN0eWxlXCI6e1wiJGlkXCI6XCIzXCIsXCJUaW1lYmFuZFN0eWxlXCI6e1wiJGlkXCI6XCI0XCIsXCJTY2FsZU1hcmtpbmdcIjowLFwiU2hhcGVcIjoxMyxcIlNoYXBlU3R5bGVcIjp7XCIkaWRcIjpcIjVcIixcIk1hcmdpblwiOntcIiRpZFwiOlwiNlwiLFwiVG9wXCI6MC4wLFwiTGVmdFwiOjEwLjAsXCJSaWdodFwiOjEwLjAsXCJCb3R0b21cIjowLjB9LFwiUGFkZGluZ1wiOntcIiRpZFwiOlwiN1wiLFwiVG9wXCI6NS4wLFwiTGVmdFwiOjEzLjAsXCJSaWdodFwiOjEzLjAsXCJCb3R0b21cIjo1LjB9LFwiQmFja2dyb3VuZFwiOntcIiRpZFwiOlwiOFwiLFwiQ29sb3JcIjp7XCIkaWRcIjpcIjlcIixcIkFcIjoyNTUsXCJSXCI6NjgsXCJHXCI6ODQsXCJCXCI6MTA2fX0sXCJJc1Zpc2libGVcIjp0cnVlLFwiV2lkdGhcIjo4NTguMCxcIkhlaWdodFwiOjMwLjAsXCJCb3JkZXJTdHlsZVwiOntcIiRpZFwiOlwiMTBcIixcIkxpbmVDb2xvclwiOntcIiRpZFwiOlwiMTFcIixcIiR0eXBlXCI6XCJOTFJFLkNvbW1vbi5Eb20uU29saWRDb2xvckJydXNoLCBOTFJFLkNvbW1vblwiLFwiQ29sb3JcIjp7XCIkaWRcIjpcIjEyXCIsXCJBXCI6MjU1LFwiUlwiOjI1NSxcIkdcIjowLFwiQlwiOjB9fSxcIkxpbmVXZWlnaHRcIjowLjAsXCJMaW5lVHlwZVwiOjB9fSxcIk1pZGRsZVRpZXJTaGFwZVN0eWxlXCI6e1wiJGlkXCI6XCIxM1wiLFwiTWFyZ2luXCI6e1wiJGlkXCI6XCIxNFwiLFwiVG9wXCI6MC4wLFwiTGVmdFwiOjEwLjAsXCJSaWdodFwiOjEwLjAsXCJCb3R0b21cIjowLjB9LFwiUGFkZGluZ1wiOntcIiRpZFwiOlwiMTVcIixcIlRvcFwiOjUuMCxcIkxlZnRcIjoxMy4wLFwiUmlnaHRcIjoxMy4wLFwiQm90dG9tXCI6NS4wfSxcIkJhY2tncm91bmRcIjp7XCIkaWRcIjpcIjE2XCIsXCJDb2xvclwiOntcIiRpZFwiOlwiMTdcIixcIkFcIjoyNTUsXCJSXCI6NjgsXCJHXCI6ODQsXCJCXCI6MTA2fX0sXCJJc1Zpc2libGVcIjp0cnVlLFwiV2lkdGhcIjo4NTguMCxcIkhlaWdodFwiOjMwLjAsXCJCb3JkZXJTdHlsZVwiOntcIiRpZFwiOlwiMThcIixcIkxpbmVDb2xvclwiOntcIiRpZFwiOlwiMTlcIixcIiR0eXBlXCI6XCJOTFJFLkNvbW1vbi5Eb20uU29saWRDb2xvckJydXNoLCBOTFJFLkNvbW1vblwiLFwiQ29sb3JcIjp7XCIkaWRcIjpcIjIwXCIsXCJBXCI6MjU1LFwiUlwiOjI1NSxcIkdcIjowLFwiQlwiOjB9fSxcIkxpbmVXZWlnaHRcIjowLjAsXCJMaW5lVHlwZVwiOjB9fSxcIkJvdHRvbVRpZXJTaGFwZVN0eWxlXCI6e1wiJGlkXCI6XCIyMVwiLFwiTWFyZ2luXCI6e1wiJGlkXCI6XCIyMlwiLFwiVG9wXCI6MC4wLFwiTGVmdFwiOjEwLjAsXCJSaWdodFwiOjEwLjAsXCJCb3R0b21cIjowLjB9LFwiUGFkZGluZ1wiOntcIiRpZFwiOlwiMjNcIixcIlRvcFwiOjUuMCxcIkxlZnRcIjoxMy4wLFwiUmlnaHRcIjoxMy4wLFwiQm90dG9tXCI6NS4wfSxcIkJhY2tncm91bmRcIjp7XCIkaWRcIjpcIjI0XCIsXCJDb2xvclwiOntcIiRpZFwiOlwiMjVcIixcIkFcIjoyNTUsXCJSXCI6NjgsXCJHXCI6ODQsXCJCXCI6MTA2fX0sXCJJc1Zpc2libGVcIjp0cnVlLFwiV2lkdGhcIjo4NTguMCxcIkhlaWdodFwiOjMwLjAsXCJCb3JkZXJTdHlsZVwiOntcIiRpZFwiOlwiMjZcIixcIkxpbmVDb2xvclwiOntcIiRpZFwiOlwiMjdcIixcIiR0eXBlXCI6XCJOTFJFLkNvbW1vbi5Eb20uU29saWRDb2xvckJydXNoLCBOTFJFLkNvbW1vblwiLFwiQ29sb3JcIjp7XCIkaWRcIjpcIjI4XCIsXCJBXCI6MjU1LFwiUlwiOjI1NSxcIkdcIjowLFwiQlwiOjB9fSxcIkxpbmVXZWlnaHRcIjowLjAsXCJMaW5lVHlwZVwiOjB9fSxcIlJpZ2h0RW5kQ2Fwc1N0eWxlXCI6e1wiJGlkXCI6XCIyOVwiLFwiRm9udFNldHRpbmdzXCI6e1wiJGlkXCI6XCIzMFwiLFwiRm9udFNpemVcIjoxOCxcIkZvbnROYW1lXCI6XCJDYWxpYnJpXCIsXCJJc0JvbGRcIjp0cnVlLFwiSXNJdGFsaWNcIjpmYWxzZSxcIklzVW5kZXJsaW5lZFwiOmZhbHNlfSxcIkF1dG9TaXplXCI6MCxcIkZvcmVncm91bmRcIjp7XCIkaWRcIjpcIjMxXCIsXCJDb2xvclwiOntcIiRpZFwiOlwiMzJcIixcIkFcIjoyNTUsXCJSXCI6MjM3LFwiR1wiOjEyNSxcIkJcIjo0OX19LFwiQmFja2dyb3VuZEZpbGxUeXBlXCI6MCxcIk1heFdpZHRoXCI6XCJJbmZpbml0eVwiLFwiTWF4SGVpZ2h0XCI6XCJJbmZpbml0eVwiLFwiU21hcnRGb3JlZ3JvdW5kSXNBY3RpdmVcIjpmYWxzZSxcIkhvcml6b250YWxBbGlnbm1lbnRcIjowLFwiVmVydGljYWxBbGlnbm1lbnRcIjowLFwiU21hcnRGb3JlZ3JvdW5kXCI6bnVsbCxcIk1hcmdpblwiOntcIiRpZFwiOlwiMzNcIixcIlRvcFwiOjAuMCxcIkxlZnRcIjowLjAsXCJSaWdodFwiOjIwLjAsXCJCb3R0b21cIjowLjB9LFwiUGFkZGluZ1wiOntcIiRpZFwiOlwiMzRcIixcIlRvcFwiOjAuMCxcIkxlZnRcIjowLjAsXCJSaWdodFwiOjAuMCxcIkJvdHRvbVwiOjAuMH0sXCJCYWNrZ3JvdW5kXCI6e1wiJGlkXCI6XCIzNVwiLFwiQ29sb3JcIjp7XCIkaWRcIjpcIjM2XCIsXCJBXCI6MCxcIlJcIjowLFwiR1wiOjAsXCJCXCI6MH19LFwiSXNWaXNpYmxlXCI6dHJ1ZSxcIldpZHRoXCI6MC4wLFwiSGVpZ2h0XCI6MC4wLFwiQm9yZGVyU3R5bGVcIjpudWxsfSxcIkxlZnRFbmRDYXBzU3R5bGVcIjp7XCIkaWRcIjpcIjM3XCIsXCJGb250U2V0dGluZ3NcIjp7XCIkaWRcIjpcIjM4XCIsXCJGb250U2l6ZVwiOjE4LFwiRm9udE5hbWVcIjpcIkNhbGlicmlcIixcIklzQm9sZFwiOnRydWUsXCJJc0l0YWxpY1wiOmZhbHNlLFwiSXNVbmRlcmxpbmVkXCI6ZmFsc2V9LFwiQXV0b1NpemVcIjowLFwiRm9yZWdyb3VuZFwiOntcIiRpZFwiOlwiMzlcIixcIkNvbG9yXCI6e1wiJGlkXCI6XCI0MFwiLFwiQVwiOjI1NSxcIlJcIjoyMzcsXCJHXCI6MTI1LFwiQlwiOjQ5fX0sXCJCYWNrZ3JvdW5kRmlsbFR5cGVcIjowLFwiTWF4V2lkdGhcIjpcIkluZmluaXR5XCIsXCJNYXhIZWlnaHRcIjpcIkluZmluaXR5XCIsXCJTbWFydEZvcmVncm91bmRJc0FjdGl2ZVwiOmZhbHNlLFwiSG9yaXpvbnRhbEFsaWdubWVudFwiOjAsXCJWZXJ0aWNhbEFsaWdubWVudFwiOjAsXCJTbWFydEZvcmVncm91bmRcIjpudWxsLFwiTWFyZ2luXCI6e1wiJGlkXCI6XCI0MVwiLFwiVG9wXCI6MC4wLFwiTGVmdFwiOjIwLjAsXCJSaWdodFwiOjAuMCxcIkJvdHRvbVwiOjAuMH0sXCJQYWRkaW5nXCI6e1wiJGlkXCI6XCI0MlwiLFwiVG9wXCI6MC4wLFwiTGVmdFwiOjAuMCxcIlJpZ2h0XCI6MC4wLFwiQm90dG9tXCI6MC4wfSxcIkJhY2tncm91bmRcIjp7XCIkaWRcIjpcIjQzXCIsXCJDb2xvclwiOntcIiRyZWZcIjpcIjM2XCJ9fSxcIklzVmlzaWJsZVwiOmZhbHNlLFwiV2lkdGhcIjowLjAsXCJIZWlnaHRcIjowLjAsXCJCb3JkZXJTdHlsZVwiOm51bGx9LFwiVG9kYXlUZXh0U3R5bGVcIjp7XCIkaWRcIjpcIjQ0XCIsXCJGb250U2V0dGluZ3NcIjp7XCIkaWRcIjpcIjQ1XCIsXCJGb250U2l6ZVwiOjEyLFwiRm9udE5hbWVcIjpcIkNhbGlicmlcIixcIklzQm9sZFwiOmZhbHNlLFwiSXNJdGFsaWNcIjpmYWxzZSxcIklzVW5kZXJsaW5lZFwiOmZhbHNlfSxcIkF1dG9TaXplXCI6MCxcIkZvcmVncm91bmRcIjp7XCIkaWRcIjpcIjQ2XCIsXCJDb2xvclwiOntcIiRpZFwiOlwiNDdcIixcIkFcIjoyNTUsXCJSXCI6MCxcIkdcIjowLFwiQlwiOjB9fSxcIkJhY2tncm91bmRGaWxsVHlwZVwiOjAsXCJNYXhXaWR0aFwiOjIwMC4wLFwiTWF4SGVpZ2h0XCI6XCJJbmZpbml0eVwiLFwiU21hcnRGb3JlZ3JvdW5kSXNBY3RpdmVcIjpmYWxzZSxcIkhvcml6b250YWxBbGlnbm1lbnRcIjowLFwiVmVydGljYWxBbGlnbm1lbnRcIjowLFwiU21hcnRGb3JlZ3JvdW5kXCI6bnVsbCxcIk1hcmdpblwiOntcIiRpZFwiOlwiNDhcIixcIlRvcFwiOjAuMCxcIkxlZnRcIjowLjAsXCJSaWdodFwiOjAuMCxcIkJvdHRvbVwiOjAuMH0sXCJQYWRkaW5nXCI6e1wiJGlkXCI6XCI0OVwiLFwiVG9wXCI6MC4wLFwiTGVmdFwiOjAuMCxcIlJpZ2h0XCI6MC4wLFwiQm90dG9tXCI6MC4wfSxcIkJhY2tncm91bmRcIjp7XCIkaWRcIjpcIjUwXCIsXCJDb2xvclwiOntcIiRyZWZcIjpcIjM2XCJ9fSxcIklzVmlzaWJsZVwiOnRydWUsXCJXaWR0aFwiOjAuMCxcIkhlaWdodFwiOjAuMCxcIkJvcmRlclN0eWxlXCI6bnVsbH0sXCJUb2RheU1hcmtlclN0eWxlXCI6e1wiJGlkXCI6XCI1MVwiLFwiTWFyZ2luXCI6e1wiJGlkXCI6XCI1MlwiLFwiVG9wXCI6MC4wLFwiTGVmdFwiOjAuMCxcIlJpZ2h0XCI6MC4wLFwiQm90dG9tXCI6MC4wfSxcIlBhZGRpbmdcIjp7XCIkaWRcIjpcIjUzXCIsXCJUb3BcIjowLjAsXCJMZWZ0XCI6MC4wLFwiUmlnaHRcIjowLjAsXCJCb3R0b21cIjowLjB9LFwiQmFja2dyb3VuZFwiOntcIiRpZFwiOlwiNTRcIixcIkNvbG9yXCI6e1wiJGlkXCI6XCI1NVwiLFwiQVwiOjI1NSxcIlJcIjoyNTUsXCJHXCI6MCxcIkJcIjowfX0sXCJJc1Zpc2libGVcIjp0cnVlLFwiV2lkdGhcIjowLjAsXCJIZWlnaHRcIjowLjAsXCJCb3JkZXJTdHlsZVwiOm51bGx9LFwiU2NhbGVTdHlsZVwiOntcIiRpZFwiOlwiNTZcIixcIlNob3dTZWdtZW50U2VwYXJhdG9yc1wiOnRydWUsXCJTZWdtZW50U2VwYXJhdG9yT3BhY2l0eVwiOjMwLFwiU2hhcGVcIjo0LFwiSGFzQmVlblZpc2libGVCZWZvcmVcIjp0cnVlLFwiRm9udFNldHRpbmdzXCI6e1wiJGlkXCI6XCI1N1wiLFwiRm9udFNpemVcIjoxMixcIkZvbnROYW1lXCI6XCJDYWxpYnJpXCIsXCJJc0JvbGRcIjpmYWxzZSxcIklzSXRhbGljXCI6ZmFsc2UsXCJJc1VuZGVybGluZWRcIjpmYWxzZX0sXCJBdXRvU2l6ZVwiOjAsXCJGb3JlZ3JvdW5kXCI6e1wiJGlkXCI6XCI1OFwiLFwiQ29sb3JcIjp7XCIkaWRcIjpcIjU5XCIsXCJBXCI6MjU1LFwiUlwiOjI1NSxcIkdcIjoyNTUsXCJCXCI6MjU1fX0sXCJCYWNrZ3JvdW5kRmlsbFR5cGVcIjowLFwiTWF4V2lkdGhcIjoyMDAuMCxcIk1heEhlaWdodFwiOlwiSW5maW5pdHlcIixcIlNtYXJ0Rm9yZWdyb3VuZElzQWN0aXZlXCI6ZmFsc2UsXCJIb3Jpem9udGFsQWxpZ25tZW50XCI6MCxcIlZlcnRpY2FsQWxpZ25tZW50XCI6MSxcIlNtYXJ0Rm9yZWdyb3VuZFwiOm51bGwsXCJNYXJnaW5cIjp7XCIkaWRcIjpcIjYwXCIsXCJUb3BcIjowLjAsXCJMZWZ0XCI6NS4wLFwiUmlnaHRcIjowLjAsXCJCb3R0b21cIjowLjB9LFwiUGFkZGluZ1wiOntcIiRpZFwiOlwiNjFcIixcIlRvcFwiOjAuMCxcIkxlZnRcIjowLjAsXCJSaWdodFwiOjAuMCxcIkJvdHRvbVwiOjAuMH0sXCJCYWNrZ3JvdW5kXCI6e1wiJGlkXCI6XCI2MlwiLFwiQ29sb3JcIjp7XCIkcmVmXCI6XCIzNlwifX0sXCJJc1Zpc2libGVcIjp0cnVlLFwiV2lkdGhcIjowLjAsXCJIZWlnaHRcIjowLjAsXCJCb3JkZXJTdHlsZVwiOm51bGx9LFwiTWlkZGxlVGllclNjYWxlU3R5bGVcIjp7XCIkaWRcIjpcIjYzXCIsXCJTaG93U2VnbWVudFNlcGFyYXRvcnNcIjp0cnVlLFwiU2VnbWVudFNlcGFyYXRvck9wYWNpdHlcIjozMCxcIlNoYXBlXCI6NCxcIkhhc0JlZW5WaXNpYmxlQmVmb3JlXCI6ZmFsc2UsXCJGb250U2V0dGluZ3NcIjp7XCIkaWRcIjpcIjY0XCIsXCJGb250U2l6ZVwiOjEyLFwiRm9udE5hbWVcIjpcIkNhbGlicmlcIixcIklzQm9sZFwiOmZhbHNlLFwiSXNJdGFsaWNcIjpmYWxzZSxcIklzVW5kZXJsaW5lZFwiOmZhbHNlfSxcIkF1dG9TaXplXCI6MCxcIkZvcmVncm91bmRcIjp7XCIkaWRcIjpcIjY1XCIsXCJDb2xvclwiOntcIiRpZFwiOlwiNjZcIixcIkFcIjoyNTUsXCJSXCI6MjU1LFwiR1wiOjI1NSxcIkJcIjoyNTV9fSxcIkJhY2tncm91bmRGaWxsVHlwZVwiOjAsXCJNYXhXaWR0aFwiOjIwMC4wLFwiTWF4SGVpZ2h0XCI6XCJJbmZpbml0eVwiLFwiU21hcnRGb3JlZ3JvdW5kSXNBY3RpdmVcIjpmYWxzZSxcIkhvcml6b250YWxBbGlnbm1lbnRcIjowLFwiVmVydGljYWxBbGlnbm1lbnRcIjoxLFwiU21hcnRGb3JlZ3JvdW5kXCI6bnVsbCxcIk1hcmdpblwiOntcIiRpZFwiOlwiNjdcIixcIlRvcFwiOjAuMCxcIkxlZnRcIjo1LjAsXCJSaWdodFwiOjAuMCxcIkJvdHRvbVwiOjAuMH0sXCJQYWRkaW5nXCI6e1wiJGlkXCI6XCI2OFwiLFwiVG9wXCI6MC4wLFwiTGVmdFwiOjAuMCxcIlJpZ2h0XCI6MC4wLFwiQm90dG9tXCI6MC4wfSxcIkJhY2tncm91bmRcIjp7XCIkaWRcIjpcIjY5XCIsXCJDb2xvclwiOntcIiRpZFwiOlwiNzBcIixcIkFcIjowLFwiUlwiOjAsXCJHXCI6MCxcIkJcIjowfX0sXCJJc1Zpc2libGVcIjpmYWxzZSxcIldpZHRoXCI6MC4wLFwiSGVpZ2h0XCI6MC4wLFwiQm9yZGVyU3R5bGVcIjpudWxsfSxcIkJvdHRvbVRpZXJTY2FsZVN0eWxlXCI6e1wiJGlkXCI6XCI3MVwiLFwiU2hvd1NlZ21lbnRTZXBhcmF0b3JzXCI6dHJ1ZSxcIlNlZ21lbnRTZXBhcmF0b3JPcGFjaXR5XCI6MzAsXCJTaGFwZVwiOjQsXCJIYXNCZWVuVmlzaWJsZUJlZm9yZVwiOmZhbHNlLFwiRm9udFNldHRpbmdzXCI6e1wiJGlkXCI6XCI3MlwiLFwiRm9udFNpemVcIjoxMixcIkZvbnROYW1lXCI6XCJDYWxpYnJpXCIsXCJJc0JvbGRcIjpmYWxzZSxcIklzSXRhbGljXCI6ZmFsc2UsXCJJc1VuZGVybGluZWRcIjpmYWxzZX0sXCJBdXRvU2l6ZVwiOjAsXCJGb3JlZ3JvdW5kXCI6e1wiJGlkXCI6XCI3M1wiLFwiQ29sb3JcIjp7XCIkaWRcIjpcIjc0XCIsXCJBXCI6MjU1LFwiUlwiOjI1NSxcIkdcIjoyNTUsXCJCXCI6MjU1fX0sXCJCYWNrZ3JvdW5kRmlsbFR5cGVcIjowLFwiTWF4V2lkdGhcIjoyMDAuMCxcIk1heEhlaWdodFwiOlwiSW5maW5pdHlcIixcIlNtYXJ0Rm9yZWdyb3VuZElzQWN0aXZlXCI6ZmFsc2UsXCJIb3Jpem9udGFsQWxpZ25tZW50XCI6MCxcIlZlcnRpY2FsQWxpZ25tZW50XCI6MSxcIlNtYXJ0Rm9yZWdyb3VuZFwiOm51bGwsXCJNYXJnaW5cIjp7XCIkaWRcIjpcIjc1XCIsXCJUb3BcIjowLjAsXCJMZWZ0XCI6NS4wLFwiUmlnaHRcIjowLjAsXCJCb3R0b21cIjowLjB9LFwiUGFkZGluZ1wiOntcIiRpZFwiOlwiNzZcIixcIlRvcFwiOjAuMCxcIkxlZnRcIjowLjAsXCJSaWdodFwiOjAuMCxcIkJvdHRvbVwiOjAuMH0sXCJCYWNrZ3JvdW5kXCI6e1wiJGlkXCI6XCI3N1wiLFwiQ29sb3JcIjp7XCIkaWRcIjpcIjc4XCIsXCJBXCI6MCxcIlJcIjowLFwiR1wiOjAsXCJCXCI6MH19LFwiSXNWaXNpYmxlXCI6ZmFsc2UsXCJXaWR0aFwiOjAuMCxcIkhlaWdodFwiOjAuMCxcIkJvcmRlclN0eWxlXCI6bnVsbH0sXCJTaW5nbGVTY2FsZVNoYXBlU3R5bGVcIjpudWxsLFwiRWxhcHNlZFRpbWVCYWNrZ3JvdW5kXCI6e1wiJGlkXCI6XCI3OVwiLFwiQ29sb3JcIjp7XCIkaWRcIjpcIjgwXCIsXCJBXCI6NzcsXCJSXCI6MjU1LFwiR1wiOjAsXCJCXCI6MH19LFwiQXBwZW5kWWVhck9uWWVhckNoYW5nZVwiOnRydWUsXCJFbGFwc2VkVGltZUZvcm1hdFwiOjEsXCJUb2RheU1hcmtlclBvc2l0aW9uXCI6MyxcIlF1aWNrUG9zaXRpb25cIjoxLFwiQWJzb2x1dGVQb3NpdGlvblwiOjI0MC4wLFwiTWFyZ2luXCI6e1wiJGlkXCI6XCI4MVwiLFwiVG9wXCI6MC4wLFwiTGVmdFwiOjEwLjAsXCJSaWdodFwiOjEwLjAsXCJCb3R0b21cIjowLjB9LFwiUGFkZGluZ1wiOntcIiRpZFwiOlwiODJcIixcIlRvcFwiOjAuMCxcIkxlZnRcIjowLjAsXCJSaWdodFwiOjAuMCxcIkJvdHRvbVwiOjAuMH0sXCJCYWNrZ3JvdW5kXCI6e1wiJGlkXCI6XCI4M1wiLFwiQ29sb3JcIjp7XCIkaWRcIjpcIjg0XCIsXCJBXCI6MjU1LFwiUlwiOjExNSxcIkdcIjoxMTUsXCJCXCI6MTE1fX0sXCJJc1Zpc2libGVcIjp0cnVlLFwiV2lkdGhcIjowLjAsXCJIZWlnaHRcIjowLjAsXCJCb3JkZXJTdHlsZVwiOm51bGx9LFwiRGVmYXVsdE1pbGVzdG9uZVN0eWxlXCI6e1wiJGlkXCI6XCI4NVwiLFwiU2hhcGVcIjowLFwiQ29ubmVjdG9yTWFyZ2luXCI6e1wiJGlkXCI6XCI4NlwiLFwiVG9wXCI6MC4wLFwiTGVmdFwiOjIuMCxcIlJpZ2h0XCI6Mi4wLFwiQm90dG9tXCI6MC4wfSxcIkNvbm5lY3RvclN0eWxlXCI6e1wiJGlkXCI6XCI4N1wiLFwiTGluZUNvbG9yXCI6e1wiJGlkXCI6XCI4OFwiLFwiJHR5cGVcIjpcIk5MUkUuQ29tbW9uLkRvbS5Tb2xpZENvbG9yQnJ1c2gsIE5MUkUuQ29tbW9uXCIsXCJDb2xvclwiOntcIiRpZFwiOlwiODlcIixcIkFcIjoxMjcsXCJSXCI6MzEsXCJHXCI6NzMsXCJCXCI6MTI2fX0sXCJMaW5lV2VpZ2h0XCI6MS4wLFwiTGluZVR5cGVcIjowfSxcIklzQmVsb3dUaW1lYmFuZFwiOmZhbHNlLFwiSGlkZURhdGVcIjpmYWxzZSxcIlNoYXBlU2l6ZVwiOjEsXCJTcGFjaW5nXCI6Mi4wLFwiUGFkZGluZ1wiOntcIiRpZFwiOlwiOTBcIixcIlRvcFwiOjcuMCxcIkxlZnRcIjozLjAsXCJSaWdodFwiOjAuMCxcIkJvdHRvbVwiOjIuMH0sXCJQb3NpdGlvblwiOm51bGwsXCJQb3NpdGlvbk9uVGFza1wiOjAsXCJTaGFwZVN0eWxlXCI6e1wiJGlkXCI6XCI5MVwiLFwiTWFyZ2luXCI6e1wiJGlkXCI6XCI5MlwiLFwiVG9wXCI6MC4wLFwiTGVmdFwiOjAuMCxcIlJpZ2h0XCI6MC4wLFwiQm90dG9tXCI6MC4wfSxcIlBhZGRpbmdcIjp7XCIkaWRcIjpcIjkzXCIsXCJUb3BcIjowLjAsXCJMZWZ0XCI6MC4wLFwiUmlnaHRcIjowLjAsXCJCb3R0b21cIjowLjB9LFwiQmFja2dyb3VuZFwiOntcIiRpZFwiOlwiOTRcIixcIkNvbG9yXCI6e1wiJGlkXCI6XCI5NVwiLFwiQVwiOjI1NSxcIlJcIjowLFwiR1wiOjExNCxcIkJcIjoxODh9fSxcIklzVmlzaWJsZVwiOnRydWUsXCJXaWR0aFwiOjE4LjAsXCJIZWlnaHRcIjoyMC4wLFwiQm9yZGVyU3R5bGVcIjp7XCIkaWRcIjpcIjk2XCIsXCJMaW5lQ29sb3JcIjp7XCIkaWRcIjpcIjk3XCIsXCIkdHlwZVwiOlwiTkxSRS5Db21tb24uRG9tLlNvbGlkQ29sb3JCcnVzaCwgTkxSRS5Db21tb25cIixcIkNvbG9yXCI6e1wiJGlkXCI6XCI5OFwiLFwiQVwiOjI1NSxcIlJcIjoyNTUsXCJHXCI6MCxcIkJcIjowfX0sXCJMaW5lV2VpZ2h0XCI6MC4wLFwiTGluZVR5cGVcIjowfX0sXCJUaXRsZVN0eWxlXCI6e1wiJGlkXCI6XCI5OVwiLFwiRm9udFNldHRpbmdzXCI6e1wiJGlkXCI6XCIxMDBcIixcIkZvbnRTaXplXCI6MTEsXCJGb250TmFtZVwiOlwiQ2FsaWJyaVwiLFwiSXNCb2xkXCI6dHJ1ZSxcIklzSXRhbGljXCI6ZmFsc2UsXCJJc1VuZGVybGluZWRcIjpmYWxzZX0sXCJBdXRvU2l6ZVwiOjAsXCJGb3JlZ3JvdW5kXCI6e1wiJGlkXCI6XCIxMDFcIixcIkNvbG9yXCI6e1wiJGlkXCI6XCIxMDJcIixcIkFcIjoyNTUsXCJSXCI6MCxcIkdcIjowLFwiQlwiOjB9fSxcIkJhY2tncm91bmRGaWxsVHlwZVwiOjAsXCJNYXhXaWR0aFwiOjIwMC4wLFwiTWF4SGVpZ2h0XCI6XCJJbmZpbml0eVwiLFwiU21hcnRGb3JlZ3JvdW5kSXNBY3RpdmVcIjpmYWxzZSxcIkhvcml6b250YWxBbGlnbm1lbnRcIjoxLFwiVmVydGljYWxBbGlnbm1lbnRcIjowLFwiU21hcnRGb3JlZ3JvdW5kXCI6bnVsbCxcIk1hcmdpblwiOntcIiRpZFwiOlwiMTAzXCIsXCJUb3BcIjowLjAsXCJMZWZ0XCI6MC4wLFwiUmlnaHRcIjowLjAsXCJCb3R0b21cIjowLjB9LFwiUGFkZGluZ1wiOntcIiRpZFwiOlwiMTA0XCIsXCJUb3BcIjowLjAsXCJMZWZ0XCI6MC4wLFwiUmlnaHRcIjowLjAsXCJCb3R0b21cIjowLjB9LFwiQmFja2dyb3VuZFwiOntcIiRpZFwiOlwiMTA1XCIsXCJDb2xvclwiOntcIiRyZWZcIjpcIjM2XCJ9fSxcIklzVmlzaWJsZVwiOnRydWUsXCJXaWR0aFwiOjAuMCxcIkhlaWdodFwiOjAuMCxcIkJvcmRlclN0eWxlXCI6bnVsbH0sXCJEYXRlU3R5bGVcIjp7XCIkaWRcIjpcIjEwNlwiLFwiRm9udFNldHRpbmdzXCI6e1wiJGlkXCI6XCIxMDdcIixcIkZvbnRTaXplXCI6MTAsXCJGb250TmFtZVwiOlwiQ2FsaWJyaVwiLFwiSXNCb2xkXCI6ZmFsc2UsXCJJc0l0YWxpY1wiOmZhbHNlLFwiSXNVbmRlcmxpbmVkXCI6ZmFsc2V9LFwiQXV0b1NpemVcIjowLFwiRm9yZWdyb3VuZFwiOntcIiRpZFwiOlwiMTA4XCIsXCJDb2xvclwiOntcIiRpZFwiOlwiMTA5XCIsXCJBXCI6MjU1LFwiUlwiOjY4LFwiR1wiOjg0LFwiQlwiOjEwNn19LFwiQmFja2dyb3VuZEZpbGxUeXBlXCI6MCxcIk1heFdpZHRoXCI6MjAwLjAsXCJNYXhIZWlnaHRcIjpcIkluZmluaXR5XCIsXCJTbWFydEZvcmVncm91bmRJc0FjdGl2ZVwiOmZhbHNlLFwiSG9yaXpvbnRhbEFsaWdubWVudFwiOjAsXCJWZXJ0aWNhbEFsaWdubWVudFwiOjAsXCJTbWFydEZvcmVncm91bmRcIjpudWxsLFwiTWFyZ2luXCI6e1wiJGlkXCI6XCIxMTBcIixcIlRvcFwiOjAuMCxcIkxlZnRcIjowLjAsXCJSaWdodFwiOjAuMCxcIkJvdHRvbVwiOjAuMH0sXCJQYWRkaW5nXCI6e1wiJGlkXCI6XCIxMTFcIixcIlRvcFwiOjAuMCxcIkxlZnRcIjowLjAsXCJSaWdodFwiOjAuMCxcIkJvdHRvbVwiOjAuMH0sXCJCYWNrZ3JvdW5kXCI6e1wiJGlkXCI6XCIxMTJcIixcIkNvbG9yXCI6e1wiJHJlZlwiOlwiMzZcIn19LFwiSXNWaXNpYmxlXCI6dHJ1ZSxcIldpZHRoXCI6MC4wLFwiSGVpZ2h0XCI6MC4wLFwiQm9yZGVyU3R5bGVcIjpudWxsfSxcIkRhdGVGb3JtYXRcIjp7XCIkaWRcIjpcIjExM1wiLFwiRm9ybWF0U3RyaW5nXCI6XCJNTU0gZFwiLFwiU2VwYXJhdG9yXCI6XCIvXCIsXCJVc2VJbnRlcm5hdGlvbmFsRGF0ZUZvcm1hdFwiOmZhbHNlLFwiRGF0ZUlzVmlzaWJsZVwiOnRydWUsXCJUaW1lSXNWaXNpYmxlXCI6ZmFsc2UsXCJIb3VyRGlnaXRzXCI6MSxcIkFtUG1EZXNpZ25hdG9yXCI6MixcIlRyaW0wME1pbnV0ZXNcIjpmYWxzZSxcIkxhc3RLbm93blZpc2liaWxpdHlTdGF0ZVwiOm51bGx9LFwiSXNWaXNpYmxlXCI6dHJ1ZX0sXCJEZWZhdWx0VGFza1N0eWxlXCI6e1wiJGlkXCI6XCIxMTRcIixcIlNoYXBlXCI6MixcIlNoYXBlVGhpY2tuZXNzXCI6MSxcIkR1cmF0aW9uRm9ybWF0XCI6MCxcIlBlcmNlbnRhZ2VDb21wbGV0ZVN0eWxlXCI6e1wiJGlkXCI6XCIxMTVcIixcIkZvbnRTZXR0aW5nc1wiOntcIiRpZFwiOlwiMTE2XCIsXCJGb250U2l6ZVwiOjEwLFwiRm9udE5hbWVcIjpcIkNhbGlicmlcIixcIklzQm9sZFwiOmZhbHNlLFwiSXNJdGFsaWNcIjpmYWxzZSxcIklzVW5kZXJsaW5lZFwiOmZhbHNlfSxcIkF1dG9TaXplXCI6MCxcIkZvcmVncm91bmRcIjp7XCIkaWRcIjpcIjExN1wiLFwiQ29sb3JcIjp7XCIkaWRcIjpcIjExOFwiLFwiQVwiOjI1NSxcIlJcIjoyMzcsXCJHXCI6MTI1LFwiQlwiOjQ5fX0sXCJCYWNrZ3JvdW5kRmlsbFR5cGVcIjowLFwiTWF4V2lkdGhcIjoyMDAuMCxcIk1heEhlaWdodFwiOlwiSW5maW5pdHlcIixcIlNtYXJ0Rm9yZWdyb3VuZElzQWN0aXZlXCI6ZmFsc2UsXCJIb3Jpem9udGFsQWxpZ25tZW50XCI6MCxcIlZlcnRpY2FsQWxpZ25tZW50XCI6MCxcIlNtYXJ0Rm9yZWdyb3VuZFwiOm51bGwsXCJNYXJnaW5cIjp7XCIkaWRcIjpcIjExOVwiLFwiVG9wXCI6MC4wLFwiTGVmdFwiOjAuMCxcIlJpZ2h0XCI6MC4wLFwiQm90dG9tXCI6MC4wfSxcIlBhZGRpbmdcIjp7XCIkaWRcIjpcIjEyMFwiLFwiVG9wXCI6MC4wLFwiTGVmdFwiOjAuMCxcIlJpZ2h0XCI6MC4wLFwiQm90dG9tXCI6MC4wfSxcIkJhY2tncm91bmRcIjp7XCIkaWRcIjpcIjEyMVwiLFwiQ29sb3JcIjp7XCIkcmVmXCI6XCIzNlwifX0sXCJJc1Zpc2libGVcIjp0cnVlLFwiV2lkdGhcIjowLjAsXCJIZWlnaHRcIjowLjAsXCJCb3JkZXJTdHlsZVwiOm51bGx9LFwiRHVyYXRpb25TdHlsZVwiOntcIiRpZFwiOlwiMTIyXCIsXCJGb250U2V0dGluZ3NcIjp7XCIkaWRcIjpcIjEyM1wiLFwiRm9udFNpemVcIjoxMCxcIkZvbnROYW1lXCI6XCJDYWxpYnJpXCIsXCJJc0JvbGRcIjpmYWxzZSxcIklzSXRhbGljXCI6ZmFsc2UsXCJJc1VuZGVybGluZWRcIjpmYWxzZX0sXCJBdXRvU2l6ZVwiOjAsXCJGb3JlZ3JvdW5kXCI6e1wiJGlkXCI6XCIxMjRcIixcIkNvbG9yXCI6e1wiJGlkXCI6XCIxMjVcIixcIkFcIjoyNTUsXCJSXCI6MjM3LFwiR1wiOjEyNSxcIkJcIjo0OX19LFwiQmFja2dyb3VuZEZpbGxUeXBlXCI6MCxcIk1heFdpZHRoXCI6MjAwLjAsXCJNYXhIZWlnaHRcIjpcIkluZmluaXR5XCIsXCJTbWFydEZvcmVncm91bmRJc0FjdGl2ZVwiOmZhbHNlLFwiSG9yaXpvbnRhbEFsaWdubWVudFwiOjAsXCJWZXJ0aWNhbEFsaWdubWVudFwiOjAsXCJTbWFydEZvcmVncm91bmRcIjpudWxsLFwiTWFyZ2luXCI6e1wiJGlkXCI6XCIxMjZcIixcIlRvcFwiOjAuMCxcIkxlZnRcIjowLjAsXCJSaWdodFwiOjAuMCxcIkJvdHRvbVwiOjAuMH0sXCJQYWRkaW5nXCI6e1wiJGlkXCI6XCIxMjdcIixcIlRvcFwiOjAuMCxcIkxlZnRcIjowLjAsXCJSaWdodFwiOjAuMCxcIkJvdHRvbVwiOjAuMH0sXCJCYWNrZ3JvdW5kXCI6e1wiJGlkXCI6XCIxMjhcIixcIkNvbG9yXCI6e1wiJHJlZlwiOlwiMzZcIn19LFwiSXNWaXNpYmxlXCI6dHJ1ZSxcIldpZHRoXCI6MC4wLFwiSGVpZ2h0XCI6MC4wLFwiQm9yZGVyU3R5bGVcIjpudWxsfSxcIkhvcml6b250YWxDb25uZWN0b3JTdHlsZVwiOntcIiRpZFwiOlwiMTI5XCIsXCJMaW5lQ29sb3JcIjp7XCIkaWRcIjpcIjEzMFwiLFwiJHR5cGVcIjpcIk5MUkUuQ29tbW9uLkRvbS5Tb2xpZENvbG9yQnJ1c2gsIE5MUkUuQ29tbW9uXCIsXCJDb2xvclwiOntcIiRpZFwiOlwiMTMxXCIsXCJBXCI6MjU1LFwiUlwiOjIwNCxcIkdcIjoyMDQsXCJCXCI6MjA0fX0sXCJMaW5lV2VpZ2h0XCI6MS4wLFwiTGluZVR5cGVcIjowfSxcIlZlcnRpY2FsQ29ubmVjdG9yU3R5bGVcIjp7XCIkaWRcIjpcIjEzMlwiLFwiTGluZUNvbG9yXCI6e1wiJGlkXCI6XCIxMzNcIixcIiR0eXBlXCI6XCJOTFJFLkNvbW1vbi5Eb20uU29saWRDb2xvckJydXNoLCBOTFJFLkNvbW1vblwiLFwiQ29sb3JcIjp7XCIkaWRcIjpcIjEzNFwiLFwiQVwiOjI1NSxcIlJcIjoyMDQsXCJHXCI6MjA0LFwiQlwiOjIwNH19LFwiTGluZVdlaWdodFwiOjAuMCxcIkxpbmVUeXBlXCI6MH0sXCJNYXJnaW5cIjpudWxsLFwiU3RhcnREYXRlUG9zaXRpb25cIjozLFwiRW5kRGF0ZVBvc2l0aW9uXCI6NCxcIlRpdGxlUG9zaXRpb25cIjoyLFwiRHVyYXRpb25Qb3NpdGlvblwiOjYsXCJQZXJjZW50YWdlQ29tcGxldGVkUG9zaXRpb25cIjo2LFwiU3BhY2luZ1wiOjUsXCJJc0JlbG93VGltZWJhbmRcIjp0cnVlLFwiUGVyY2VudGFnZUNvbXBsZXRlU2hhcGVPcGFjaXR5XCI6MzUsXCJHcm91cE5hbWVcIjpudWxsLFwiQXR0YWNoZWRNaWxlc3RvbmVzU3R5bGVzXCI6bnVsbCxcIlNoYXBlU3R5bGVcIjp7XCIkaWRcIjpcIjEzNVwiLFwiTWFyZ2luXCI6e1wiJGlkXCI6XCIxMzZcIixcIlRvcFwiOjAuMCxcIkxlZnRcIjo0LjAsXCJSaWdodFwiOjQuMCxcIkJvdHRvbVwiOjAuMH0sXCJQYWRkaW5nXCI6e1wiJGlkXCI6XCIxMzdcIixcIlRvcFwiOjAuMCxcIkxlZnRcIjowLjAsXCJSaWdodFwiOjAuMCxcIkJvdHRvbVwiOjAuMH0sXCJCYWNrZ3JvdW5kXCI6e1wiJGlkXCI6XCIxMzhcIixcIkNvbG9yXCI6e1wiJGlkXCI6XCIxMzlcIixcIkFcIjoyNTUsXCJSXCI6MCxcIkdcIjoxMTQsXCJCXCI6MTg4fX0sXCJJc1Zpc2libGVcIjp0cnVlLFwiV2lkdGhcIjowLjAsXCJIZWlnaHRcIjoxNi4wLFwiQm9yZGVyU3R5bGVcIjp7XCIkaWRcIjpcIjE0MFwiLFwiTGluZUNvbG9yXCI6e1wiJGlkXCI6XCIxNDFcIixcIiR0eXBlXCI6XCJOTFJFLkNvbW1vbi5Eb20uU29saWRDb2xvckJydXNoLCBOTFJFLkNvbW1vblwiLFwiQ29sb3JcIjp7XCIkaWRcIjpcIjE0MlwiLFwiQVwiOjI1NSxcIlJcIjoyNTUsXCJHXCI6MCxcIkJcIjowfX0sXCJMaW5lV2VpZ2h0XCI6MC4wLFwiTGluZVR5cGVcIjowfX0sXCJUaXRsZVN0eWxlXCI6e1wiJGlkXCI6XCIxNDNcIixcIkZvbnRTZXR0aW5nc1wiOntcIiRpZFwiOlwiMTQ0XCIsXCJGb250U2l6ZVwiOjExLFwiRm9udE5hbWVcIjpcIkNhbGlicmlcIixcIklzQm9sZFwiOnRydWUsXCJJc0l0YWxpY1wiOmZhbHNlLFwiSXNVbmRlcmxpbmVkXCI6ZmFsc2V9LFwiQXV0b1NpemVcIjowLFwiRm9yZWdyb3VuZFwiOntcIiRpZFwiOlwiMTQ1XCIsXCJDb2xvclwiOntcIiRpZFwiOlwiMTQ2XCIsXCJBXCI6MjU1LFwiUlwiOjAsXCJHXCI6MCxcIkJcIjowfX0sXCJCYWNrZ3JvdW5kRmlsbFR5cGVcIjowLFwiTWF4V2lkdGhcIjo5NjAuMCxcIk1heEhlaWdodFwiOlwiSW5maW5pdHlcIixcIlNtYXJ0Rm9yZWdyb3VuZElzQWN0aXZlXCI6ZmFsc2UsXCJIb3Jpem9udGFsQWxpZ25tZW50XCI6MSxcIlZlcnRpY2FsQWxpZ25tZW50XCI6MCxcIlNtYXJ0Rm9yZWdyb3VuZFwiOm51bGwsXCJNYXJnaW5cIjp7XCIkaWRcIjpcIjE0N1wiLFwiVG9wXCI6MC4wLFwiTGVmdFwiOjAuMCxcIlJpZ2h0XCI6MC4wLFwiQm90dG9tXCI6MC4wfSxcIlBhZGRpbmdcIjp7XCIkaWRcIjpcIjE0OFwiLFwiVG9wXCI6MC4wLFwiTGVmdFwiOjAuMCxcIlJpZ2h0XCI6MC4wLFwiQm90dG9tXCI6MC4wfSxcIkJhY2tncm91bmRcIjp7XCIkaWRcIjpcIjE0OVwiLFwiQ29sb3JcIjp7XCIkcmVmXCI6XCIzNlwifX0sXCJJc1Zpc2libGVcIjp0cnVlLFwiV2lkdGhcIjowLjAsXCJIZWlnaHRcIjowLjAsXCJCb3JkZXJTdHlsZVwiOm51bGx9LFwiRGF0ZVN0eWxlXCI6e1wiJGlkXCI6XCIxNTBcIixcIkZvbnRTZXR0aW5nc1wiOntcIiRpZFwiOlwiMTUxXCIsXCJGb250U2l6ZVwiOjEwLFwiRm9udE5hbWVcIjpcIkNhbGlicmlcIixcIklzQm9sZFwiOmZhbHNlLFwiSXNJdGFsaWNcIjpmYWxzZSxcIklzVW5kZXJsaW5lZFwiOmZhbHNlfSxcIkF1dG9TaXplXCI6MCxcIkZvcmVncm91bmRcIjp7XCIkaWRcIjpcIjE1MlwiLFwiQ29sb3JcIjp7XCIkaWRcIjpcIjE1M1wiLFwiQVwiOjI1NSxcIlJcIjo2OCxcIkdcIjo4NCxcIkJcIjoxMDZ9fSxcIkJhY2tncm91bmRGaWxsVHlwZVwiOjAsXCJNYXhXaWR0aFwiOjIwMC4wLFwiTWF4SGVpZ2h0XCI6XCJJbmZpbml0eVwiLFwiU21hcnRGb3JlZ3JvdW5kSXNBY3RpdmVcIjpmYWxzZSxcIkhvcml6b250YWxBbGlnbm1lbnRcIjoxLFwiVmVydGljYWxBbGlnbm1lbnRcIjowLFwiU21hcnRGb3JlZ3JvdW5kXCI6bnVsbCxcIk1hcmdpblwiOntcIiRpZFwiOlwiMTU0XCIsXCJUb3BcIjowLjAsXCJMZWZ0XCI6MC4wLFwiUmlnaHRcIjowLjAsXCJCb3R0b21cIjowLjB9LFwiUGFkZGluZ1wiOntcIiRpZFwiOlwiMTU1XCIsXCJUb3BcIjowLjAsXCJMZWZ0XCI6MC4wLFwiUmlnaHRcIjowLjAsXCJCb3R0b21cIjowLjB9LFwiQmFja2dyb3VuZFwiOntcIiRpZFwiOlwiMTU2XCIsXCJDb2xvclwiOntcIiRyZWZcIjpcIjM2XCJ9fSxcIklzVmlzaWJsZVwiOnRydWUsXCJXaWR0aFwiOjAuMCxcIkhlaWdodFwiOjAuMCxcIkJvcmRlclN0eWxlXCI6bnVsbH0sXCJEYXRlRm9ybWF0XCI6e1wiJGlkXCI6XCIxNTdcIixcIkZvcm1hdFN0cmluZ1wiOlwiTU1NIGRcIixcIlNlcGFyYXRvclwiOlwiL1wiLFwiVXNlSW50ZXJuYXRpb25hbERhdGVGb3JtYXRcIjpmYWxzZSxcIkRhdGVJc1Zpc2libGVcIjp0cnVlLFwiVGltZUlzVmlzaWJsZVwiOmZhbHNlLFwiSG91ckRpZ2l0c1wiOjEsXCJBbVBtRGVzaWduYXRvclwiOjIsXCJUcmltMDBNaW51dGVzXCI6ZmFsc2UsXCJMYXN0S25vd25WaXNpYmlsaXR5U3RhdGVcIjpudWxsfSxcIklzVmlzaWJsZVwiOnRydWV9LFwiU2hvd0VsYXBzZWRUaW1lR3JhZGllbnRTdHlsZVwiOmZhbHNlLFwiVGltZWJhbmRSZXNlcnZlZExlZnRBcmVhU3R5bGVcIjpudWxsLFwiRGVmYXVsdFN3aW1sYW5lU3R5bGVcIjp7XCIkaWRcIjpcIjE1OFwiLFwiSGVhZGVyU3R5bGVcIjp7XCIkaWRcIjpcIjE1OVwiLFwiVGV4dFN0eWxlXCI6e1wiJGlkXCI6XCIxNjBcIixcIkZvbnRTZXR0aW5nc1wiOntcIiRpZFwiOlwiMTYxXCIsXCJGb250U2l6ZVwiOjEyLFwiRm9udE5hbWVcIjpcIkNhbGlicmlcIixcIklzQm9sZFwiOmZhbHNlLFwiSXNJdGFsaWNcIjpmYWxzZSxcIklzVW5kZXJsaW5lZFwiOmZhbHNlfSxcIkF1dG9TaXplXCI6MCxcIkZvcmVncm91bmRcIjp7XCIkaWRcIjpcIjE2MlwiLFwiQ29sb3JcIjp7XCIkaWRcIjpcIjE2M1wiLFwiQVwiOjI1NSxcIlJcIjozMixcIkdcIjo1NixcIkJcIjoxMDB9fSxcIkJhY2tncm91bmRGaWxsVHlwZVwiOjAsXCJNYXhXaWR0aFwiOjAuMCxcIk1heEhlaWdodFwiOjAuMCxcIlNtYXJ0Rm9yZWdyb3VuZElzQWN0aXZlXCI6ZmFsc2UsXCJIb3Jpem9udGFsQWxpZ25tZW50XCI6MCxcIlZlcnRpY2FsQWxpZ25tZW50XCI6MCxcIlNtYXJ0Rm9yZWdyb3VuZFwiOm51bGwsXCJNYXJnaW5cIjp7XCIkaWRcIjpcIjE2NFwiLFwiVG9wXCI6MC4wLFwiTGVmdFwiOjAuMCxcIlJpZ2h0XCI6MC4wLFwiQm90dG9tXCI6MC4wfSxcIlBhZGRpbmdcIjp7XCIkaWRcIjpcIjE2NVwiLFwiVG9wXCI6MC4wLFwiTGVmdFwiOjAuMCxcIlJpZ2h0XCI6MC4wLFwiQm90dG9tXCI6MC4wfSxcIkJhY2tncm91bmRcIjpudWxsLFwiSXNWaXNpYmxlXCI6ZmFsc2UsXCJXaWR0aFwiOjAuMCxcIkhlaWdodFwiOjAuMCxcIkJvcmRlclN0eWxlXCI6bnVsbH0sXCJSZWN0YW5nbGVTdHlsZVwiOntcIiRpZFwiOlwiMTY2XCIsXCJNYXJnaW5cIjp7XCIkaWRcIjpcIjE2N1wiLFwiVG9wXCI6MC4wLFwiTGVmdFwiOjAuMCxcIlJpZ2h0XCI6MC4wLFwiQm90dG9tXCI6MC4wfSxcIlBhZGRpbmdcIjp7XCIkaWRcIjpcIjE2OFwiLFwiVG9wXCI6MC4wLFwiTGVmdFwiOjAuMCxcIlJpZ2h0XCI6MC4wLFwiQm90dG9tXCI6MC4wfSxcIkJhY2tncm91bmRcIjp7XCIkaWRcIjpcIjE2OVwiLFwiQ29sb3JcIjp7XCIkaWRcIjpcIjE3MFwiLFwiQVwiOjEyNyxcIlJcIjo5MSxcIkdcIjoxNTUsXCJCXCI6MjEzfX0sXCJJc1Zpc2libGVcIjpmYWxzZSxcIldpZHRoXCI6MC4wLFwiSGVpZ2h0XCI6MC4wLFwiQm9yZGVyU3R5bGVcIjp7XCIkaWRcIjpcIjE3MVwiLFwiTGluZUNvbG9yXCI6e1wiJGlkXCI6XCIxNzJcIixcIiR0eXBlXCI6XCJOTFJFLkNvbW1vbi5Eb20uU29saWRDb2xvckJydXNoLCBOTFJFLkNvbW1vblwiLFwiQ29sb3JcIjp7XCIkaWRcIjpcIjE3M1wiLFwiQVwiOjI1NSxcIlJcIjoyNTUsXCJHXCI6MCxcIkJcIjowfX0sXCJMaW5lV2VpZ2h0XCI6MC4wLFwiTGluZVR5cGVcIjowfX0sXCJUZXh0SXNWZXJ0aWNhbFwiOmZhbHNlfSxcIkJhY2tncm91bmRTdHlsZVwiOntcIiRpZFwiOlwiMTc0XCIsXCJNYXJnaW5cIjp7XCIkaWRcIjpcIjE3NVwiLFwiVG9wXCI6MC4wLFwiTGVmdFwiOjAuMCxcIlJpZ2h0XCI6MC4wLFwiQm90dG9tXCI6MC4wfSxcIlBhZGRpbmdcIjp7XCIkaWRcIjpcIjE3NlwiLFwiVG9wXCI6MC4wLFwiTGVmdFwiOjAuMCxcIlJpZ2h0XCI6MC4wLFwiQm90dG9tXCI6MC4wfSxcIkJhY2tncm91bmRcIjp7XCIkaWRcIjpcIjE3N1wiLFwiQ29sb3JcIjp7XCIkaWRcIjpcIjE3OFwiLFwiQVwiOjM4LFwiUlwiOjkxLFwiR1wiOjE1NSxcIkJcIjoyMTN9fSxcIklzVmlzaWJsZVwiOnRydWUsXCJXaWR0aFwiOjAuMCxcIkhlaWdodFwiOjAuMCxcIkJvcmRlclN0eWxlXCI6e1wiJGlkXCI6XCIxNzlcIixcIkxpbmVDb2xvclwiOntcIiRpZFwiOlwiMTgwXCIsXCIkdHlwZVwiOlwiTkxSRS5Db21tb24uRG9tLlNvbGlkQ29sb3JCcnVzaCwgTkxSRS5Db21tb25cIixcIkNvbG9yXCI6e1wiJGlkXCI6XCIxODFcIixcIkFcIjoyNTUsXCJSXCI6MjU1LFwiR1wiOjAsXCJCXCI6MH19LFwiTGluZVdlaWdodFwiOjAuMCxcIkxpbmVUeXBlXCI6MH19LFwiSXNBYm92ZVRpbWViYW5kXCI6ZmFsc2V9LFwiQ3VzdG9tTWlsZXN0b25lU3R5bGVMaXN0XCI6W10sXCJDdXN0b21UYXNrU3R5bGVMaXN0XCI6W10sXCJDdXN0b21Td2ltbGFuZURlZmluaXRpb25TdHlsZUxpc3RcIjpbXSxcIkN1c3RvbVN3aW1sYW5lVjJTdHlsZUxpc3RcIjpbXSxcIkdyaWRsaW5lUGFuZWxTdHlsZVwiOntcIiRpZFwiOlwiMTgyXCIsXCJHcmlkbGluZVN0eWxlXCI6e1wiJGlkXCI6XCIxODNcIixcIkxpbmVDb2xvclwiOntcIiRpZFwiOlwiMTg0XCIsXCIkdHlwZVwiOlwiTkxSRS5Db21tb24uRG9tLlNvbGlkQ29sb3JCcnVzaCwgTkxSRS5Db21tb25cIixcIkNvbG9yXCI6e1wiJGlkXCI6XCIxODVcIixcIkFcIjozOCxcIlJcIjo5MSxcIkdcIjoxNTUsXCJCXCI6MjEzfX0sXCJMaW5lV2VpZ2h0XCI6MS4wLFwiTGluZVR5cGVcIjowfSxcIklzVmlzaWJsZVwiOnRydWV9LFwiQWN0aXZpdHlMaW5lUGFuZWxTdHlsZVwiOntcIiRpZFwiOlwiMTg2XCIsXCJBY3Rpdml0eUxpbmVTdHlsZVwiOntcIiRpZFwiOlwiMTg3XCIsXCJMaW5lQ29sb3JcIjp7XCIkaWRcIjpcIjE4OFwiLFwiJHR5cGVcIjpcIk5MUkUuQ29tbW9uLkRvbS5Tb2xpZENvbG9yQnJ1c2gsIE5MUkUuQ29tbW9uXCIsXCJDb2xvclwiOntcIiRpZFwiOlwiMTg5XCIsXCJBXCI6MzgsXCJSXCI6NjgsXCJHXCI6MTE0LFwiQlwiOjE5Nn19LFwiTGluZVdlaWdodFwiOjEuMCxcIkxpbmVUeXBlXCI6MH0sXCJJc1Zpc2libGVcIjp0cnVlfX0sXCJTY2FsZVwiOntcIiRpZFwiOlwiMTkwXCIsXCJTdGFydERhdGVcIjpcIjAwMDEtMDEtMDFUMDA6MDA6MDBcIixcIkVuZERhdGVcIjpcIjAwMDEtMDEtMDFUMDA6MDA6MDBcIixcIkZvcm1hdFwiOlwid1wiLFwiVHlwZVwiOjEsXCJBdXRvRGF0ZVJhbmdlXCI6dHJ1ZSxcIldvcmtpbmdEYXlzXCI6MzEsXCJUb2RheU1hcmtlclRleHRcIjpcIlRvZGF5XCIsXCJBdXRvU2NhbGVUeXBlXCI6dHJ1ZX0sXCJTY2FsZVYyXCI6e1wiJGlkXCI6XCIxOTFcIixcIlN0YXJ0RGF0ZVwiOlwiMDAwMS0wMS0wMVQwMDowMDowMFwiLFwiRW5kRGF0ZVwiOlwiMDAwMS0wMS0wMVQwMDowMDowMFwiLFwiQXV0b0RhdGVSYW5nZVwiOnRydWUsXCJXb3JraW5nRGF5c1wiOjMxLFwiVG9kYXlNYXJrZXJUZXh0XCI6XCJUb2RheVwiLFwiQXV0b1NjYWxlVHlwZVwiOnRydWUsXCJUaW1lYmFuZFNjYWxlc1wiOntcIiRpZFwiOlwiMTkyXCIsXCJUb3BTY2FsZUxheWVyXCI6e1wiJGlkXCI6XCIxOTNcIixcIkZvcm1hdFwiOlwid1wiLFwiVHlwZVwiOjF9LFwiTWlkZGxlU2NhbGVMYXllclwiOntcIiRpZFwiOlwiMTk0XCIsXCJGb3JtYXRcIjpudWxsLFwiVHlwZVwiOjB9LFwiQm90dG9tU2NhbGVMYXllclwiOntcIiRpZFwiOlwiMTk1XCIsXCJGb3JtYXRcIjpudWxsLFwiVHlwZVwiOjB9fX0sXCJNaWxlc3RvbmVzXCI6W10sXCJUYXNrc1wiOltdLFwiU3dpbWxhbmVzXCI6W10sXCJTd2ltbGFuZXNWMlwiOltdLFwiU2V0dGluZ3NcIjp7XCIkaWRcIjpcIjE5NlwiLFwiSW1wYU9wdGlvbnNcIjp7XCIkaWRcIjpcIjE5N1wiLFwiTGVmdFRvUmlnaHRcIjpmYWxzZSxcIlBheWxvYWRPcHRpb25zXCI6Mn19LFwiVGltZUNvbmZpZ3VyYXRpb25cIjp7XCIkaWRcIjpcIjE5OFwiLFwiVXNlVGltZVwiOmZhbHNlLFwiV29ya0RheVN0YXJ0XCI6XCIwMDowMDowMFwiLFwiV29ya0RheUVuZFwiOlwiMjM6NTk6MDBcIn19IiwiUmVjZW50Q29sb3JzQ29sbGVjdGlvbiI6IltcIiNGRjFBQUE0MlwiXSJ9LCJTZXR0aW5ncyI6eyIkaWQiOiI2ODciLCJJbXBhT3B0aW9ucyI6eyIkaWQiOiI2ODgiLCJMZWZ0VG9SaWdodCI6ZmFsc2UsIlBheWxvYWRPcHRpb25zIjoyfSwiVXNlQ29tcHJlc3Npb24iOmZhbHNlLCJDb21wcmVzaW9uUGVyY2VudGFnZSI6NTAuMCwiSW5hY3RpdmVJbnRlcnZhbFdpZHRoVGhyZXNob2xkIjozMC4wLCJJbmFjdGl2ZUludGVydmFsV2lkdGgiOjEuMCwiU3BsaXRUYXNrcyI6ZmFsc2UsIlVzZUNsdXN0ZXIiOmZhbHNlLCJFcHNpbG9uIjo1LjAsIk1pblBvaW50c1RvRm9ybUFDbHVzdGVyIjoyLCJHZW5lcmF0ZUludmlzaWJsZVNoYXBlcyI6ZmFsc2UsIlNtYXJ0VGltZWxpbmVUYXNrUGVyY2VudGFnZUZpdCI6ZmFsc2V9LCJJc05ldyI6ZmFsc2UsIkltcG9ydFR5cGUiOjAsIkZpbGVQYXRoIjpudWxsLCJUaW1lQ29uZmlndXJhdGlvbiI6eyIkaWQiOiI2ODkiLCJVc2VUaW1lIjpmYWxzZSwiV29ya0RheVN0YXJ0IjoiMDA6MDA6MDAiLCJXb3JrRGF5RW5kIjoiMjM6NTk6MDAifSwiTGFzdFVzZWRUZW1wbGF0ZUlkIjoiYzExZjZmNDktN2RiOC00NWZkLWJhMzItYmZjYWVhNDkyZjM5IiwiRmlyc3RXZWVrT2ZZZWFyIjowLCJQbGFjZU1pbGVzdG9uZUF0VGhlQmVnaW5uaW5nT2ZUaGVEYXkiOmZhbHNlfQ=="/>
   <p:tag name="__MASTER" val="__part_0"/>
 </p:tagLst>
 </file>
@@ -16525,9 +16525,9 @@
   <p:tag name="OTLTIMEBANDRESERVEDLEFTAREAISSET" val="False"/>
   <p:tag name="OTLTIMEBANDQUICKPOSITION" val="Custom"/>
   <p:tag name="OTLTIMEBANDENDDATE" val="2022-06-30T23:59:00.0000000"/>
-  <p:tag name="OTLMARKERSHAPE" val="OTL"/>
   <p:tag name="OTLTIMEBANDSCALETYPE" val="Days"/>
   <p:tag name="OTLTIMEBANDSCALEFORMAT" val="d"/>
+  <p:tag name="OTLMARKERSHAPE" val="OTL"/>
 </p:tagLst>
 </file>
 
@@ -16660,7 +16660,6 @@
 
 <file path=ppt/tags/tag150.xml><?xml version="1.0" encoding="utf-8"?>
 <p:tagLst xmlns:a="http://schemas.openxmlformats.org/drawingml/2006/main" xmlns:r="http://schemas.openxmlformats.org/officeDocument/2006/relationships" xmlns:p="http://schemas.openxmlformats.org/presentationml/2006/main">
-  <p:tag name="OTLMARKERSHAPE" val="OTL"/>
   <p:tag name="OTLDATEFORMATSTRING" val="MMM d"/>
   <p:tag name="OTLDATEFORMATSEPARATOR" val="/"/>
   <p:tag name="OTLDATEFORMATUSEUS" val="True"/>
@@ -16671,17 +16670,17 @@
   <p:tag name="OTLDATEFORMATTRIM00MINUTES" val="False"/>
   <p:tag name="OTLWEEKNUMBERINGFORMAT" val="WNFormat1"/>
   <p:tag name="OTLWEEKNUMBERINGISVISIBLE" val="False"/>
-  <p:tag name="OTLSTARTDATE" val="2022-05-07T00:00:00.0000000Z"/>
   <p:tag name="OTLENDDATE" val="2022-05-14T23:59:00.0000000Z"/>
   <p:tag name="OTLDURATIONFORMAT" val="day"/>
   <p:tag name="OTLSPACING" val="5"/>
   <p:tag name="OTLSHAPETHICKNESSTYPE" val="Regular"/>
+  <p:tag name="OTLMARKERSHAPE" val="OTL"/>
+  <p:tag name="OTLSTARTDATE" val="2022-05-11T00:00:00.0000000Z"/>
 </p:tagLst>
 </file>
 
 <file path=ppt/tags/tag151.xml><?xml version="1.0" encoding="utf-8"?>
 <p:tagLst xmlns:a="http://schemas.openxmlformats.org/drawingml/2006/main" xmlns:r="http://schemas.openxmlformats.org/officeDocument/2006/relationships" xmlns:p="http://schemas.openxmlformats.org/presentationml/2006/main">
-  <p:tag name="OTLMARKERSHAPE" val="OTL"/>
   <p:tag name="OTLDATEFORMATSTRING" val="MMM d"/>
   <p:tag name="OTLDATEFORMATSEPARATOR" val="/"/>
   <p:tag name="OTLDATEFORMATUSEUS" val="True"/>
@@ -16693,16 +16692,16 @@
   <p:tag name="OTLWEEKNUMBERINGFORMAT" val="WNFormat1"/>
   <p:tag name="OTLWEEKNUMBERINGISVISIBLE" val="False"/>
   <p:tag name="OTLSTARTDATE" val="2022-05-10T00:00:00.0000000Z"/>
-  <p:tag name="OTLENDDATE" val="2022-05-14T23:59:00.0000000Z"/>
   <p:tag name="OTLDURATIONFORMAT" val="day"/>
   <p:tag name="OTLSPACING" val="5"/>
   <p:tag name="OTLSHAPETHICKNESSTYPE" val="Regular"/>
+  <p:tag name="OTLENDDATE" val="2022-05-13T23:59:00.0000000Z"/>
+  <p:tag name="OTLMARKERSHAPE" val="OTL"/>
 </p:tagLst>
 </file>
 
 <file path=ppt/tags/tag152.xml><?xml version="1.0" encoding="utf-8"?>
 <p:tagLst xmlns:a="http://schemas.openxmlformats.org/drawingml/2006/main" xmlns:r="http://schemas.openxmlformats.org/officeDocument/2006/relationships" xmlns:p="http://schemas.openxmlformats.org/presentationml/2006/main">
-  <p:tag name="OTLMARKERSHAPE" val="OTL"/>
   <p:tag name="OTLDATEFORMATSTRING" val="MMM d"/>
   <p:tag name="OTLDATEFORMATSEPARATOR" val="/"/>
   <p:tag name="OTLDATEFORMATUSEUS" val="True"/>
@@ -16718,12 +16717,12 @@
   <p:tag name="OTLDURATIONFORMAT" val="day"/>
   <p:tag name="OTLSPACING" val="5"/>
   <p:tag name="OTLSHAPETHICKNESSTYPE" val="Regular"/>
+  <p:tag name="OTLMARKERSHAPE" val="OTL"/>
 </p:tagLst>
 </file>
 
 <file path=ppt/tags/tag153.xml><?xml version="1.0" encoding="utf-8"?>
 <p:tagLst xmlns:a="http://schemas.openxmlformats.org/drawingml/2006/main" xmlns:r="http://schemas.openxmlformats.org/officeDocument/2006/relationships" xmlns:p="http://schemas.openxmlformats.org/presentationml/2006/main">
-  <p:tag name="OTLMARKERSHAPE" val="OTL"/>
   <p:tag name="OTLDATEFORMATSTRING" val="MMM d"/>
   <p:tag name="OTLDATEFORMATSEPARATOR" val="/"/>
   <p:tag name="OTLDATEFORMATUSEUS" val="True"/>
@@ -16739,12 +16738,12 @@
   <p:tag name="OTLDURATIONFORMAT" val="day"/>
   <p:tag name="OTLSPACING" val="5"/>
   <p:tag name="OTLSHAPETHICKNESSTYPE" val="Regular"/>
+  <p:tag name="OTLMARKERSHAPE" val="OTL"/>
 </p:tagLst>
 </file>
 
 <file path=ppt/tags/tag154.xml><?xml version="1.0" encoding="utf-8"?>
 <p:tagLst xmlns:a="http://schemas.openxmlformats.org/drawingml/2006/main" xmlns:r="http://schemas.openxmlformats.org/officeDocument/2006/relationships" xmlns:p="http://schemas.openxmlformats.org/presentationml/2006/main">
-  <p:tag name="OTLMARKERSHAPE" val="OTL"/>
   <p:tag name="OTLDATEFORMATSTRING" val="MMM d"/>
   <p:tag name="OTLDATEFORMATSEPARATOR" val="/"/>
   <p:tag name="OTLDATEFORMATUSEUS" val="True"/>
@@ -16760,12 +16759,12 @@
   <p:tag name="OTLDURATIONFORMAT" val="day"/>
   <p:tag name="OTLSPACING" val="5"/>
   <p:tag name="OTLSHAPETHICKNESSTYPE" val="Regular"/>
+  <p:tag name="OTLMARKERSHAPE" val="OTL"/>
 </p:tagLst>
 </file>
 
 <file path=ppt/tags/tag155.xml><?xml version="1.0" encoding="utf-8"?>
 <p:tagLst xmlns:a="http://schemas.openxmlformats.org/drawingml/2006/main" xmlns:r="http://schemas.openxmlformats.org/officeDocument/2006/relationships" xmlns:p="http://schemas.openxmlformats.org/presentationml/2006/main">
-  <p:tag name="OTLMARKERSHAPE" val="OTL"/>
   <p:tag name="OTLDATEFORMATSTRING" val="MMM d"/>
   <p:tag name="OTLDATEFORMATSEPARATOR" val="/"/>
   <p:tag name="OTLDATEFORMATUSEUS" val="True"/>
@@ -16781,12 +16780,12 @@
   <p:tag name="OTLDURATIONFORMAT" val="day"/>
   <p:tag name="OTLSPACING" val="5"/>
   <p:tag name="OTLSHAPETHICKNESSTYPE" val="Regular"/>
+  <p:tag name="OTLMARKERSHAPE" val="OTL"/>
 </p:tagLst>
 </file>
 
 <file path=ppt/tags/tag156.xml><?xml version="1.0" encoding="utf-8"?>
 <p:tagLst xmlns:a="http://schemas.openxmlformats.org/drawingml/2006/main" xmlns:r="http://schemas.openxmlformats.org/officeDocument/2006/relationships" xmlns:p="http://schemas.openxmlformats.org/presentationml/2006/main">
-  <p:tag name="OTLMARKERSHAPE" val="OTL"/>
   <p:tag name="OTLDATEFORMATSTRING" val="MMM d"/>
   <p:tag name="OTLDATEFORMATSEPARATOR" val="/"/>
   <p:tag name="OTLDATEFORMATUSEUS" val="True"/>
@@ -16802,12 +16801,12 @@
   <p:tag name="OTLDURATIONFORMAT" val="day"/>
   <p:tag name="OTLSPACING" val="5"/>
   <p:tag name="OTLSHAPETHICKNESSTYPE" val="Regular"/>
+  <p:tag name="OTLMARKERSHAPE" val="OTL"/>
 </p:tagLst>
 </file>
 
 <file path=ppt/tags/tag157.xml><?xml version="1.0" encoding="utf-8"?>
 <p:tagLst xmlns:a="http://schemas.openxmlformats.org/drawingml/2006/main" xmlns:r="http://schemas.openxmlformats.org/officeDocument/2006/relationships" xmlns:p="http://schemas.openxmlformats.org/presentationml/2006/main">
-  <p:tag name="OTLMARKERSHAPE" val="OTL"/>
   <p:tag name="OTLDATEFORMATSTRING" val="MMM d"/>
   <p:tag name="OTLDATEFORMATSEPARATOR" val="/"/>
   <p:tag name="OTLDATEFORMATUSEUS" val="True"/>
@@ -16823,12 +16822,12 @@
   <p:tag name="OTLDURATIONFORMAT" val="day"/>
   <p:tag name="OTLSPACING" val="5"/>
   <p:tag name="OTLSHAPETHICKNESSTYPE" val="Regular"/>
+  <p:tag name="OTLMARKERSHAPE" val="OTL"/>
 </p:tagLst>
 </file>
 
 <file path=ppt/tags/tag158.xml><?xml version="1.0" encoding="utf-8"?>
 <p:tagLst xmlns:a="http://schemas.openxmlformats.org/drawingml/2006/main" xmlns:r="http://schemas.openxmlformats.org/officeDocument/2006/relationships" xmlns:p="http://schemas.openxmlformats.org/presentationml/2006/main">
-  <p:tag name="OTLMARKERSHAPE" val="OTL"/>
   <p:tag name="OTLDATEFORMATSTRING" val="MMM d"/>
   <p:tag name="OTLDATEFORMATSEPARATOR" val="/"/>
   <p:tag name="OTLDATEFORMATUSEUS" val="True"/>
@@ -16844,12 +16843,12 @@
   <p:tag name="OTLDURATIONFORMAT" val="day"/>
   <p:tag name="OTLSPACING" val="5"/>
   <p:tag name="OTLSHAPETHICKNESSTYPE" val="Regular"/>
+  <p:tag name="OTLMARKERSHAPE" val="OTL"/>
 </p:tagLst>
 </file>
 
 <file path=ppt/tags/tag159.xml><?xml version="1.0" encoding="utf-8"?>
 <p:tagLst xmlns:a="http://schemas.openxmlformats.org/drawingml/2006/main" xmlns:r="http://schemas.openxmlformats.org/officeDocument/2006/relationships" xmlns:p="http://schemas.openxmlformats.org/presentationml/2006/main">
-  <p:tag name="OTLMARKERSHAPE" val="OTL"/>
   <p:tag name="OTLDATEFORMATSTRING" val="MMM d"/>
   <p:tag name="OTLDATEFORMATSEPARATOR" val="/"/>
   <p:tag name="OTLDATEFORMATUSEUS" val="True"/>
@@ -16865,6 +16864,7 @@
   <p:tag name="OTLDURATIONFORMAT" val="day"/>
   <p:tag name="OTLSPACING" val="5"/>
   <p:tag name="OTLSHAPETHICKNESSTYPE" val="Regular"/>
+  <p:tag name="OTLMARKERSHAPE" val="OTL"/>
 </p:tagLst>
 </file>
 

--- a/Concept/Car-Project Schedule.pptx
+++ b/Concept/Car-Project Schedule.pptx
@@ -7,6 +7,7 @@
   <p:sldIdLst>
     <p:sldId id="257" r:id="rId2"/>
     <p:sldId id="258" r:id="rId3"/>
+    <p:sldId id="259" r:id="rId4"/>
   </p:sldIdLst>
   <p:sldSz cx="12192000" cy="6858000"/>
   <p:notesSz cx="6858000" cy="9144000"/>
@@ -244,7 +245,7 @@
           <a:p>
             <a:fld id="{4BA0D007-2CFE-49FB-8BB1-98F606660035}" type="datetimeFigureOut">
               <a:rPr lang="en-US" smtClean="0"/>
-              <a:t>5/13/2022</a:t>
+              <a:t>5/21/2022</a:t>
             </a:fld>
             <a:endParaRPr lang="en-US"/>
           </a:p>
@@ -414,7 +415,7 @@
           <a:p>
             <a:fld id="{4BA0D007-2CFE-49FB-8BB1-98F606660035}" type="datetimeFigureOut">
               <a:rPr lang="en-US" smtClean="0"/>
-              <a:t>5/13/2022</a:t>
+              <a:t>5/21/2022</a:t>
             </a:fld>
             <a:endParaRPr lang="en-US"/>
           </a:p>
@@ -594,7 +595,7 @@
           <a:p>
             <a:fld id="{4BA0D007-2CFE-49FB-8BB1-98F606660035}" type="datetimeFigureOut">
               <a:rPr lang="en-US" smtClean="0"/>
-              <a:t>5/13/2022</a:t>
+              <a:t>5/21/2022</a:t>
             </a:fld>
             <a:endParaRPr lang="en-US"/>
           </a:p>
@@ -764,7 +765,7 @@
           <a:p>
             <a:fld id="{4BA0D007-2CFE-49FB-8BB1-98F606660035}" type="datetimeFigureOut">
               <a:rPr lang="en-US" smtClean="0"/>
-              <a:t>5/13/2022</a:t>
+              <a:t>5/21/2022</a:t>
             </a:fld>
             <a:endParaRPr lang="en-US"/>
           </a:p>
@@ -1010,7 +1011,7 @@
           <a:p>
             <a:fld id="{4BA0D007-2CFE-49FB-8BB1-98F606660035}" type="datetimeFigureOut">
               <a:rPr lang="en-US" smtClean="0"/>
-              <a:t>5/13/2022</a:t>
+              <a:t>5/21/2022</a:t>
             </a:fld>
             <a:endParaRPr lang="en-US"/>
           </a:p>
@@ -1242,7 +1243,7 @@
           <a:p>
             <a:fld id="{4BA0D007-2CFE-49FB-8BB1-98F606660035}" type="datetimeFigureOut">
               <a:rPr lang="en-US" smtClean="0"/>
-              <a:t>5/13/2022</a:t>
+              <a:t>5/21/2022</a:t>
             </a:fld>
             <a:endParaRPr lang="en-US"/>
           </a:p>
@@ -1609,7 +1610,7 @@
           <a:p>
             <a:fld id="{4BA0D007-2CFE-49FB-8BB1-98F606660035}" type="datetimeFigureOut">
               <a:rPr lang="en-US" smtClean="0"/>
-              <a:t>5/13/2022</a:t>
+              <a:t>5/21/2022</a:t>
             </a:fld>
             <a:endParaRPr lang="en-US"/>
           </a:p>
@@ -1727,7 +1728,7 @@
           <a:p>
             <a:fld id="{4BA0D007-2CFE-49FB-8BB1-98F606660035}" type="datetimeFigureOut">
               <a:rPr lang="en-US" smtClean="0"/>
-              <a:t>5/13/2022</a:t>
+              <a:t>5/21/2022</a:t>
             </a:fld>
             <a:endParaRPr lang="en-US"/>
           </a:p>
@@ -1822,7 +1823,7 @@
           <a:p>
             <a:fld id="{4BA0D007-2CFE-49FB-8BB1-98F606660035}" type="datetimeFigureOut">
               <a:rPr lang="en-US" smtClean="0"/>
-              <a:t>5/13/2022</a:t>
+              <a:t>5/21/2022</a:t>
             </a:fld>
             <a:endParaRPr lang="en-US"/>
           </a:p>
@@ -2099,7 +2100,7 @@
           <a:p>
             <a:fld id="{4BA0D007-2CFE-49FB-8BB1-98F606660035}" type="datetimeFigureOut">
               <a:rPr lang="en-US" smtClean="0"/>
-              <a:t>5/13/2022</a:t>
+              <a:t>5/21/2022</a:t>
             </a:fld>
             <a:endParaRPr lang="en-US"/>
           </a:p>
@@ -2352,7 +2353,7 @@
           <a:p>
             <a:fld id="{4BA0D007-2CFE-49FB-8BB1-98F606660035}" type="datetimeFigureOut">
               <a:rPr lang="en-US" smtClean="0"/>
-              <a:t>5/13/2022</a:t>
+              <a:t>5/21/2022</a:t>
             </a:fld>
             <a:endParaRPr lang="en-US"/>
           </a:p>
@@ -2565,7 +2566,7 @@
           <a:p>
             <a:fld id="{4BA0D007-2CFE-49FB-8BB1-98F606660035}" type="datetimeFigureOut">
               <a:rPr lang="en-US" smtClean="0"/>
-              <a:t>5/13/2022</a:t>
+              <a:t>5/21/2022</a:t>
             </a:fld>
             <a:endParaRPr lang="en-US"/>
           </a:p>
@@ -16264,6 +16265,6017 @@
 </p:sld>
 </file>
 
+<file path=ppt/slides/slide3.xml><?xml version="1.0" encoding="utf-8"?>
+<p:sld xmlns:a="http://schemas.openxmlformats.org/drawingml/2006/main" xmlns:r="http://schemas.openxmlformats.org/officeDocument/2006/relationships" xmlns:p="http://schemas.openxmlformats.org/presentationml/2006/main">
+  <p:cSld>
+    <p:spTree>
+      <p:nvGrpSpPr>
+        <p:cNvPr id="1" name=""/>
+        <p:cNvGrpSpPr/>
+        <p:nvPr/>
+      </p:nvGrpSpPr>
+      <p:grpSpPr>
+        <a:xfrm>
+          <a:off x="0" y="0"/>
+          <a:ext cx="0" cy="0"/>
+          <a:chOff x="0" y="0"/>
+          <a:chExt cx="0" cy="0"/>
+        </a:xfrm>
+      </p:grpSpPr>
+      <p:sp>
+        <p:nvSpPr>
+          <p:cNvPr id="11" name="OTLSHAPE_SL_93b0b08ffe0b4763bf4df938f38df717_BackgroundRectangle"/>
+          <p:cNvSpPr/>
+          <p:nvPr>
+            <p:custDataLst>
+              <p:tags r:id="rId2"/>
+            </p:custDataLst>
+          </p:nvPr>
+        </p:nvSpPr>
+        <p:spPr>
+          <a:xfrm>
+            <a:off x="63500" y="3945255"/>
+            <a:ext cx="11125200" cy="546100"/>
+          </a:xfrm>
+          <a:prstGeom prst="rect">
+            <a:avLst/>
+          </a:prstGeom>
+          <a:solidFill>
+            <a:schemeClr val="accent3">
+              <a:alpha val="20000"/>
+            </a:schemeClr>
+          </a:solidFill>
+          <a:ln w="12700" cap="flat" cmpd="sng" algn="ctr">
+            <a:noFill/>
+            <a:prstDash val="solid"/>
+            <a:miter lim="800000"/>
+          </a:ln>
+          <a:effectLst/>
+          <a:extLst>
+            <a:ext uri="{91240B29-F687-4F45-9708-019B960494DF}">
+              <a14:hiddenLine xmlns:a14="http://schemas.microsoft.com/office/drawing/2010/main" w="12700" cap="flat" cmpd="sng" algn="ctr">
+                <a:solidFill>
+                  <a:schemeClr val="accent1">
+                    <a:shade val="50000"/>
+                  </a:schemeClr>
+                </a:solidFill>
+                <a:prstDash val="solid"/>
+                <a:miter lim="800000"/>
+              </a14:hiddenLine>
+            </a:ext>
+          </a:extLst>
+        </p:spPr>
+        <p:style>
+          <a:lnRef idx="2">
+            <a:schemeClr val="accent1">
+              <a:shade val="50000"/>
+            </a:schemeClr>
+          </a:lnRef>
+          <a:fillRef idx="1">
+            <a:schemeClr val="accent1"/>
+          </a:fillRef>
+          <a:effectRef idx="0">
+            <a:schemeClr val="accent1"/>
+          </a:effectRef>
+          <a:fontRef idx="minor">
+            <a:schemeClr val="lt1"/>
+          </a:fontRef>
+        </p:style>
+        <p:txBody>
+          <a:bodyPr rtlCol="0" anchor="ctr"/>
+          <a:lstStyle/>
+          <a:p>
+            <a:pPr algn="ctr"/>
+            <a:endParaRPr lang="en-US"/>
+          </a:p>
+        </p:txBody>
+      </p:sp>
+      <p:sp>
+        <p:nvSpPr>
+          <p:cNvPr id="14" name="OTLSHAPE_SL_e20ac6c3ca0f45ddbb495b18aba18a3d_BackgroundRectangle"/>
+          <p:cNvSpPr/>
+          <p:nvPr>
+            <p:custDataLst>
+              <p:tags r:id="rId3"/>
+            </p:custDataLst>
+          </p:nvPr>
+        </p:nvSpPr>
+        <p:spPr>
+          <a:xfrm>
+            <a:off x="63500" y="4554855"/>
+            <a:ext cx="11125200" cy="1079500"/>
+          </a:xfrm>
+          <a:prstGeom prst="rect">
+            <a:avLst/>
+          </a:prstGeom>
+          <a:solidFill>
+            <a:schemeClr val="accent3">
+              <a:alpha val="20000"/>
+            </a:schemeClr>
+          </a:solidFill>
+          <a:ln w="12700" cap="flat" cmpd="sng" algn="ctr">
+            <a:noFill/>
+            <a:prstDash val="solid"/>
+            <a:miter lim="800000"/>
+          </a:ln>
+          <a:effectLst/>
+          <a:extLst>
+            <a:ext uri="{91240B29-F687-4F45-9708-019B960494DF}">
+              <a14:hiddenLine xmlns:a14="http://schemas.microsoft.com/office/drawing/2010/main" w="12700" cap="flat" cmpd="sng" algn="ctr">
+                <a:solidFill>
+                  <a:schemeClr val="accent1">
+                    <a:shade val="50000"/>
+                  </a:schemeClr>
+                </a:solidFill>
+                <a:prstDash val="solid"/>
+                <a:miter lim="800000"/>
+              </a14:hiddenLine>
+            </a:ext>
+          </a:extLst>
+        </p:spPr>
+        <p:style>
+          <a:lnRef idx="2">
+            <a:schemeClr val="accent1">
+              <a:shade val="50000"/>
+            </a:schemeClr>
+          </a:lnRef>
+          <a:fillRef idx="1">
+            <a:schemeClr val="accent1"/>
+          </a:fillRef>
+          <a:effectRef idx="0">
+            <a:schemeClr val="accent1"/>
+          </a:effectRef>
+          <a:fontRef idx="minor">
+            <a:schemeClr val="lt1"/>
+          </a:fontRef>
+        </p:style>
+        <p:txBody>
+          <a:bodyPr rtlCol="0" anchor="ctr"/>
+          <a:lstStyle/>
+          <a:p>
+            <a:pPr algn="ctr"/>
+            <a:endParaRPr lang="en-US"/>
+          </a:p>
+        </p:txBody>
+      </p:sp>
+      <p:sp>
+        <p:nvSpPr>
+          <p:cNvPr id="29" name="OTLSHAPE_SL2A_a95ae0a881c047dcac3931e6f7201637_BackgroundRectangle" hidden="1"/>
+          <p:cNvSpPr/>
+          <p:nvPr>
+            <p:custDataLst>
+              <p:tags r:id="rId4"/>
+            </p:custDataLst>
+          </p:nvPr>
+        </p:nvSpPr>
+        <p:spPr>
+          <a:xfrm>
+            <a:off x="2095500" y="3945255"/>
+            <a:ext cx="9093200" cy="546100"/>
+          </a:xfrm>
+          <a:prstGeom prst="rect">
+            <a:avLst/>
+          </a:prstGeom>
+          <a:solidFill>
+            <a:schemeClr val="accent3">
+              <a:alpha val="20000"/>
+            </a:schemeClr>
+          </a:solidFill>
+          <a:ln w="12700" cap="flat" cmpd="sng" algn="ctr">
+            <a:noFill/>
+            <a:prstDash val="solid"/>
+            <a:miter lim="800000"/>
+          </a:ln>
+          <a:effectLst/>
+          <a:extLst>
+            <a:ext uri="{91240B29-F687-4F45-9708-019B960494DF}">
+              <a14:hiddenLine xmlns:a14="http://schemas.microsoft.com/office/drawing/2010/main" w="12700" cap="flat" cmpd="sng" algn="ctr">
+                <a:solidFill>
+                  <a:schemeClr val="accent1">
+                    <a:shade val="50000"/>
+                  </a:schemeClr>
+                </a:solidFill>
+                <a:prstDash val="solid"/>
+                <a:miter lim="800000"/>
+              </a14:hiddenLine>
+            </a:ext>
+          </a:extLst>
+        </p:spPr>
+        <p:style>
+          <a:lnRef idx="2">
+            <a:schemeClr val="accent1">
+              <a:shade val="50000"/>
+            </a:schemeClr>
+          </a:lnRef>
+          <a:fillRef idx="1">
+            <a:schemeClr val="accent1"/>
+          </a:fillRef>
+          <a:effectRef idx="0">
+            <a:schemeClr val="accent1"/>
+          </a:effectRef>
+          <a:fontRef idx="minor">
+            <a:schemeClr val="lt1"/>
+          </a:fontRef>
+        </p:style>
+        <p:txBody>
+          <a:bodyPr rtlCol="0" anchor="ctr"/>
+          <a:lstStyle/>
+          <a:p>
+            <a:pPr algn="ctr"/>
+            <a:endParaRPr lang="en-US"/>
+          </a:p>
+        </p:txBody>
+      </p:sp>
+      <p:sp>
+        <p:nvSpPr>
+          <p:cNvPr id="56" name="OTLSHAPE_SL2A_dc076fcdd1be4207b5f93815b38cd91e_BackgroundRectangle" hidden="1"/>
+          <p:cNvSpPr/>
+          <p:nvPr>
+            <p:custDataLst>
+              <p:tags r:id="rId5"/>
+            </p:custDataLst>
+          </p:nvPr>
+        </p:nvSpPr>
+        <p:spPr>
+          <a:xfrm>
+            <a:off x="2095500" y="4554855"/>
+            <a:ext cx="9093200" cy="1079500"/>
+          </a:xfrm>
+          <a:prstGeom prst="rect">
+            <a:avLst/>
+          </a:prstGeom>
+          <a:solidFill>
+            <a:schemeClr val="accent3">
+              <a:alpha val="20000"/>
+            </a:schemeClr>
+          </a:solidFill>
+          <a:ln w="12700" cap="flat" cmpd="sng" algn="ctr">
+            <a:noFill/>
+            <a:prstDash val="solid"/>
+            <a:miter lim="800000"/>
+          </a:ln>
+          <a:effectLst/>
+          <a:extLst>
+            <a:ext uri="{91240B29-F687-4F45-9708-019B960494DF}">
+              <a14:hiddenLine xmlns:a14="http://schemas.microsoft.com/office/drawing/2010/main" w="12700" cap="flat" cmpd="sng" algn="ctr">
+                <a:solidFill>
+                  <a:schemeClr val="accent1">
+                    <a:shade val="50000"/>
+                  </a:schemeClr>
+                </a:solidFill>
+                <a:prstDash val="solid"/>
+                <a:miter lim="800000"/>
+              </a14:hiddenLine>
+            </a:ext>
+          </a:extLst>
+        </p:spPr>
+        <p:style>
+          <a:lnRef idx="2">
+            <a:schemeClr val="accent1">
+              <a:shade val="50000"/>
+            </a:schemeClr>
+          </a:lnRef>
+          <a:fillRef idx="1">
+            <a:schemeClr val="accent1"/>
+          </a:fillRef>
+          <a:effectRef idx="0">
+            <a:schemeClr val="accent1"/>
+          </a:effectRef>
+          <a:fontRef idx="minor">
+            <a:schemeClr val="lt1"/>
+          </a:fontRef>
+        </p:style>
+        <p:txBody>
+          <a:bodyPr rtlCol="0" anchor="ctr"/>
+          <a:lstStyle/>
+          <a:p>
+            <a:pPr algn="ctr"/>
+            <a:endParaRPr lang="en-US"/>
+          </a:p>
+        </p:txBody>
+      </p:sp>
+      <p:sp>
+        <p:nvSpPr>
+          <p:cNvPr id="114" name="OTLSHAPE_SL_f83814d4db5f4446a686bf6806a7fec9_BackgroundRectangle"/>
+          <p:cNvSpPr/>
+          <p:nvPr>
+            <p:custDataLst>
+              <p:tags r:id="rId6"/>
+            </p:custDataLst>
+          </p:nvPr>
+        </p:nvSpPr>
+        <p:spPr>
+          <a:xfrm>
+            <a:off x="63500" y="5697855"/>
+            <a:ext cx="11125200" cy="812800"/>
+          </a:xfrm>
+          <a:prstGeom prst="rect">
+            <a:avLst/>
+          </a:prstGeom>
+          <a:solidFill>
+            <a:schemeClr val="accent3">
+              <a:alpha val="20000"/>
+            </a:schemeClr>
+          </a:solidFill>
+          <a:ln w="12700" cap="flat" cmpd="sng" algn="ctr">
+            <a:noFill/>
+            <a:prstDash val="solid"/>
+            <a:miter lim="800000"/>
+          </a:ln>
+          <a:effectLst/>
+          <a:extLst>
+            <a:ext uri="{91240B29-F687-4F45-9708-019B960494DF}">
+              <a14:hiddenLine xmlns:a14="http://schemas.microsoft.com/office/drawing/2010/main" w="12700" cap="flat" cmpd="sng" algn="ctr">
+                <a:solidFill>
+                  <a:schemeClr val="accent1">
+                    <a:shade val="50000"/>
+                  </a:schemeClr>
+                </a:solidFill>
+                <a:prstDash val="solid"/>
+                <a:miter lim="800000"/>
+              </a14:hiddenLine>
+            </a:ext>
+          </a:extLst>
+        </p:spPr>
+        <p:style>
+          <a:lnRef idx="2">
+            <a:schemeClr val="accent1">
+              <a:shade val="50000"/>
+            </a:schemeClr>
+          </a:lnRef>
+          <a:fillRef idx="1">
+            <a:schemeClr val="accent1"/>
+          </a:fillRef>
+          <a:effectRef idx="0">
+            <a:schemeClr val="accent1"/>
+          </a:effectRef>
+          <a:fontRef idx="minor">
+            <a:schemeClr val="lt1"/>
+          </a:fontRef>
+        </p:style>
+        <p:txBody>
+          <a:bodyPr rtlCol="0" anchor="ctr"/>
+          <a:lstStyle/>
+          <a:p>
+            <a:pPr algn="ctr"/>
+            <a:endParaRPr lang="en-US"/>
+          </a:p>
+        </p:txBody>
+      </p:sp>
+      <p:sp>
+        <p:nvSpPr>
+          <p:cNvPr id="131" name="OTLSHAPE_SL2A_2e6cd13b9934453f9569c04e5e65a6eb_BackgroundRectangle" hidden="1"/>
+          <p:cNvSpPr/>
+          <p:nvPr>
+            <p:custDataLst>
+              <p:tags r:id="rId7"/>
+            </p:custDataLst>
+          </p:nvPr>
+        </p:nvSpPr>
+        <p:spPr>
+          <a:xfrm>
+            <a:off x="2095500" y="5697855"/>
+            <a:ext cx="9093200" cy="812800"/>
+          </a:xfrm>
+          <a:prstGeom prst="rect">
+            <a:avLst/>
+          </a:prstGeom>
+          <a:solidFill>
+            <a:schemeClr val="accent3">
+              <a:alpha val="20000"/>
+            </a:schemeClr>
+          </a:solidFill>
+          <a:ln w="12700" cap="flat" cmpd="sng" algn="ctr">
+            <a:noFill/>
+            <a:prstDash val="solid"/>
+            <a:miter lim="800000"/>
+          </a:ln>
+          <a:effectLst/>
+          <a:extLst>
+            <a:ext uri="{91240B29-F687-4F45-9708-019B960494DF}">
+              <a14:hiddenLine xmlns:a14="http://schemas.microsoft.com/office/drawing/2010/main" w="12700" cap="flat" cmpd="sng" algn="ctr">
+                <a:solidFill>
+                  <a:schemeClr val="accent1">
+                    <a:shade val="50000"/>
+                  </a:schemeClr>
+                </a:solidFill>
+                <a:prstDash val="solid"/>
+                <a:miter lim="800000"/>
+              </a14:hiddenLine>
+            </a:ext>
+          </a:extLst>
+        </p:spPr>
+        <p:style>
+          <a:lnRef idx="2">
+            <a:schemeClr val="accent1">
+              <a:shade val="50000"/>
+            </a:schemeClr>
+          </a:lnRef>
+          <a:fillRef idx="1">
+            <a:schemeClr val="accent1"/>
+          </a:fillRef>
+          <a:effectRef idx="0">
+            <a:schemeClr val="accent1"/>
+          </a:effectRef>
+          <a:fontRef idx="minor">
+            <a:schemeClr val="lt1"/>
+          </a:fontRef>
+        </p:style>
+        <p:txBody>
+          <a:bodyPr rtlCol="0" anchor="ctr"/>
+          <a:lstStyle/>
+          <a:p>
+            <a:pPr algn="ctr"/>
+            <a:endParaRPr lang="en-US"/>
+          </a:p>
+        </p:txBody>
+      </p:sp>
+      <p:sp>
+        <p:nvSpPr>
+          <p:cNvPr id="2" name="OTLSHAPE_TB_00000000000000000000000000000000_LeftEndCaps" hidden="1"/>
+          <p:cNvSpPr txBox="1"/>
+          <p:nvPr>
+            <p:custDataLst>
+              <p:tags r:id="rId8"/>
+            </p:custDataLst>
+          </p:nvPr>
+        </p:nvSpPr>
+        <p:spPr>
+          <a:xfrm>
+            <a:off x="-221339" y="12700"/>
+            <a:ext cx="469900" cy="276999"/>
+          </a:xfrm>
+          <a:prstGeom prst="rect">
+            <a:avLst/>
+          </a:prstGeom>
+          <a:noFill/>
+        </p:spPr>
+        <p:txBody>
+          <a:bodyPr vert="horz" wrap="none" lIns="0" tIns="0" rIns="0" bIns="0" rtlCol="0" anchor="ctr" anchorCtr="0">
+            <a:spAutoFit/>
+          </a:bodyPr>
+          <a:lstStyle/>
+          <a:p>
+            <a:pPr algn="ctr"/>
+            <a:r>
+              <a:rPr lang="en-US" b="1" smtClean="0">
+                <a:solidFill>
+                  <a:schemeClr val="accent2"/>
+                </a:solidFill>
+                <a:latin typeface="Calibri" panose="020F0502020204030204" pitchFamily="34" charset="0"/>
+              </a:rPr>
+              <a:t>2022</a:t>
+            </a:r>
+            <a:endParaRPr lang="en-US" b="1">
+              <a:solidFill>
+                <a:schemeClr val="accent2"/>
+              </a:solidFill>
+              <a:latin typeface="Calibri" panose="020F0502020204030204" pitchFamily="34" charset="0"/>
+            </a:endParaRPr>
+          </a:p>
+        </p:txBody>
+      </p:sp>
+      <p:sp>
+        <p:nvSpPr>
+          <p:cNvPr id="3" name="OTLSHAPE_TB_00000000000000000000000000000000_RightEndCaps"/>
+          <p:cNvSpPr txBox="1"/>
+          <p:nvPr>
+            <p:custDataLst>
+              <p:tags r:id="rId9"/>
+            </p:custDataLst>
+          </p:nvPr>
+        </p:nvSpPr>
+        <p:spPr>
+          <a:xfrm>
+            <a:off x="11474534" y="3098969"/>
+            <a:ext cx="449610" cy="279061"/>
+          </a:xfrm>
+          <a:prstGeom prst="rect">
+            <a:avLst/>
+          </a:prstGeom>
+          <a:noFill/>
+        </p:spPr>
+        <p:txBody>
+          <a:bodyPr vert="horz" wrap="none" lIns="0" tIns="0" rIns="0" bIns="0" rtlCol="0" anchor="ctr" anchorCtr="0">
+            <a:spAutoFit/>
+          </a:bodyPr>
+          <a:lstStyle/>
+          <a:p>
+            <a:pPr algn="ctr"/>
+            <a:r>
+              <a:rPr lang="en-US" b="1" spc="-44" smtClean="0">
+                <a:solidFill>
+                  <a:schemeClr val="accent2"/>
+                </a:solidFill>
+                <a:latin typeface="Calibri" panose="020F0502020204030204" pitchFamily="34" charset="0"/>
+              </a:rPr>
+              <a:t>2022</a:t>
+            </a:r>
+            <a:endParaRPr lang="en-US" b="1" spc="-44">
+              <a:solidFill>
+                <a:schemeClr val="accent2"/>
+              </a:solidFill>
+              <a:latin typeface="Calibri" panose="020F0502020204030204" pitchFamily="34" charset="0"/>
+            </a:endParaRPr>
+          </a:p>
+        </p:txBody>
+      </p:sp>
+      <p:sp>
+        <p:nvSpPr>
+          <p:cNvPr id="4" name="OTLSHAPE_TB_00000000000000000000000000000000_ScaleContainer"/>
+          <p:cNvSpPr/>
+          <p:nvPr>
+            <p:custDataLst>
+              <p:tags r:id="rId10"/>
+            </p:custDataLst>
+          </p:nvPr>
+        </p:nvSpPr>
+        <p:spPr>
+          <a:xfrm>
+            <a:off x="2057400" y="3048000"/>
+            <a:ext cx="9296400" cy="381000"/>
+          </a:xfrm>
+          <a:prstGeom prst="roundRect">
+            <a:avLst>
+              <a:gd name="adj" fmla="val 100000"/>
+            </a:avLst>
+          </a:prstGeom>
+          <a:gradFill flip="none" rotWithShape="1">
+            <a:gsLst>
+              <a:gs pos="0">
+                <a:srgbClr val="44546A"/>
+              </a:gs>
+              <a:gs pos="100000">
+                <a:srgbClr val="44546A"/>
+              </a:gs>
+            </a:gsLst>
+            <a:lin ang="5400000" scaled="1"/>
+            <a:tileRect/>
+          </a:gradFill>
+          <a:ln w="12700" cap="flat" cmpd="sng" algn="ctr">
+            <a:noFill/>
+            <a:prstDash val="solid"/>
+            <a:miter lim="800000"/>
+          </a:ln>
+          <a:effectLst>
+            <a:reflection blurRad="6350" stA="50000" endA="300" endPos="55500" dist="50800" dir="5400000" sy="-100000" algn="bl" rotWithShape="0"/>
+          </a:effectLst>
+          <a:scene3d>
+            <a:camera prst="orthographicFront"/>
+            <a:lightRig rig="threePt" dir="t">
+              <a:rot lat="0" lon="0" rev="8700000"/>
+            </a:lightRig>
+          </a:scene3d>
+          <a:sp3d>
+            <a:bevelT w="165100" h="19050"/>
+          </a:sp3d>
+          <a:extLst>
+            <a:ext uri="{91240B29-F687-4F45-9708-019B960494DF}">
+              <a14:hiddenLine xmlns:a14="http://schemas.microsoft.com/office/drawing/2010/main" w="12700" cap="flat" cmpd="sng" algn="ctr">
+                <a:solidFill>
+                  <a:schemeClr val="accent1">
+                    <a:shade val="50000"/>
+                  </a:schemeClr>
+                </a:solidFill>
+                <a:prstDash val="solid"/>
+                <a:miter lim="800000"/>
+              </a14:hiddenLine>
+            </a:ext>
+          </a:extLst>
+        </p:spPr>
+        <p:style>
+          <a:lnRef idx="2">
+            <a:schemeClr val="accent1">
+              <a:shade val="50000"/>
+            </a:schemeClr>
+          </a:lnRef>
+          <a:fillRef idx="1">
+            <a:schemeClr val="accent1"/>
+          </a:fillRef>
+          <a:effectRef idx="0">
+            <a:schemeClr val="accent1"/>
+          </a:effectRef>
+          <a:fontRef idx="minor">
+            <a:schemeClr val="lt1"/>
+          </a:fontRef>
+        </p:style>
+        <p:txBody>
+          <a:bodyPr rtlCol="0" anchor="ctr"/>
+          <a:lstStyle/>
+          <a:p>
+            <a:pPr algn="ctr"/>
+            <a:endParaRPr lang="en-US"/>
+          </a:p>
+        </p:txBody>
+      </p:sp>
+      <p:sp>
+        <p:nvSpPr>
+          <p:cNvPr id="12" name="OTLSHAPE_SL_93b0b08ffe0b4763bf4df938f38df717_HeaderRectangle"/>
+          <p:cNvSpPr/>
+          <p:nvPr>
+            <p:custDataLst>
+              <p:tags r:id="rId11"/>
+            </p:custDataLst>
+          </p:nvPr>
+        </p:nvSpPr>
+        <p:spPr>
+          <a:xfrm>
+            <a:off x="63500" y="3945255"/>
+            <a:ext cx="2032000" cy="546100"/>
+          </a:xfrm>
+          <a:prstGeom prst="rect">
+            <a:avLst/>
+          </a:prstGeom>
+          <a:solidFill>
+            <a:schemeClr val="accent1"/>
+          </a:solidFill>
+          <a:ln w="12700" cap="flat" cmpd="sng" algn="ctr">
+            <a:noFill/>
+            <a:prstDash val="solid"/>
+            <a:miter lim="800000"/>
+          </a:ln>
+          <a:effectLst/>
+          <a:extLst>
+            <a:ext uri="{91240B29-F687-4F45-9708-019B960494DF}">
+              <a14:hiddenLine xmlns:a14="http://schemas.microsoft.com/office/drawing/2010/main" w="12700" cap="flat" cmpd="sng" algn="ctr">
+                <a:solidFill>
+                  <a:schemeClr val="accent1">
+                    <a:shade val="50000"/>
+                  </a:schemeClr>
+                </a:solidFill>
+                <a:prstDash val="solid"/>
+                <a:miter lim="800000"/>
+              </a14:hiddenLine>
+            </a:ext>
+          </a:extLst>
+        </p:spPr>
+        <p:style>
+          <a:lnRef idx="2">
+            <a:schemeClr val="accent1">
+              <a:shade val="50000"/>
+            </a:schemeClr>
+          </a:lnRef>
+          <a:fillRef idx="1">
+            <a:schemeClr val="accent1"/>
+          </a:fillRef>
+          <a:effectRef idx="0">
+            <a:schemeClr val="accent1"/>
+          </a:effectRef>
+          <a:fontRef idx="minor">
+            <a:schemeClr val="lt1"/>
+          </a:fontRef>
+        </p:style>
+        <p:txBody>
+          <a:bodyPr rtlCol="0" anchor="ctr"/>
+          <a:lstStyle/>
+          <a:p>
+            <a:pPr algn="ctr"/>
+            <a:endParaRPr lang="en-US"/>
+          </a:p>
+        </p:txBody>
+      </p:sp>
+      <p:sp>
+        <p:nvSpPr>
+          <p:cNvPr id="15" name="OTLSHAPE_SL_e20ac6c3ca0f45ddbb495b18aba18a3d_HeaderRectangle"/>
+          <p:cNvSpPr/>
+          <p:nvPr>
+            <p:custDataLst>
+              <p:tags r:id="rId12"/>
+            </p:custDataLst>
+          </p:nvPr>
+        </p:nvSpPr>
+        <p:spPr>
+          <a:xfrm>
+            <a:off x="63500" y="4554855"/>
+            <a:ext cx="2032000" cy="1079500"/>
+          </a:xfrm>
+          <a:prstGeom prst="rect">
+            <a:avLst/>
+          </a:prstGeom>
+          <a:solidFill>
+            <a:schemeClr val="accent2"/>
+          </a:solidFill>
+          <a:ln w="12700" cap="flat" cmpd="sng" algn="ctr">
+            <a:noFill/>
+            <a:prstDash val="solid"/>
+            <a:miter lim="800000"/>
+          </a:ln>
+          <a:effectLst/>
+          <a:extLst>
+            <a:ext uri="{91240B29-F687-4F45-9708-019B960494DF}">
+              <a14:hiddenLine xmlns:a14="http://schemas.microsoft.com/office/drawing/2010/main" w="12700" cap="flat" cmpd="sng" algn="ctr">
+                <a:solidFill>
+                  <a:schemeClr val="accent1">
+                    <a:shade val="50000"/>
+                  </a:schemeClr>
+                </a:solidFill>
+                <a:prstDash val="solid"/>
+                <a:miter lim="800000"/>
+              </a14:hiddenLine>
+            </a:ext>
+          </a:extLst>
+        </p:spPr>
+        <p:style>
+          <a:lnRef idx="2">
+            <a:schemeClr val="accent1">
+              <a:shade val="50000"/>
+            </a:schemeClr>
+          </a:lnRef>
+          <a:fillRef idx="1">
+            <a:schemeClr val="accent1"/>
+          </a:fillRef>
+          <a:effectRef idx="0">
+            <a:schemeClr val="accent1"/>
+          </a:effectRef>
+          <a:fontRef idx="minor">
+            <a:schemeClr val="lt1"/>
+          </a:fontRef>
+        </p:style>
+        <p:txBody>
+          <a:bodyPr rtlCol="0" anchor="ctr"/>
+          <a:lstStyle/>
+          <a:p>
+            <a:pPr algn="ctr"/>
+            <a:endParaRPr lang="en-US"/>
+          </a:p>
+        </p:txBody>
+      </p:sp>
+      <p:sp>
+        <p:nvSpPr>
+          <p:cNvPr id="27" name="OTLSHAPE_SL2A_a95ae0a881c047dcac3931e6f7201637_HeaderRectangle" hidden="1"/>
+          <p:cNvSpPr/>
+          <p:nvPr>
+            <p:custDataLst>
+              <p:tags r:id="rId13"/>
+            </p:custDataLst>
+          </p:nvPr>
+        </p:nvSpPr>
+        <p:spPr>
+          <a:xfrm>
+            <a:off x="2095500" y="3945255"/>
+            <a:ext cx="0" cy="0"/>
+          </a:xfrm>
+          <a:prstGeom prst="rect">
+            <a:avLst/>
+          </a:prstGeom>
+          <a:solidFill>
+            <a:schemeClr val="accent1">
+              <a:alpha val="24706"/>
+            </a:schemeClr>
+          </a:solidFill>
+          <a:ln w="12700" cap="flat" cmpd="sng" algn="ctr">
+            <a:noFill/>
+            <a:prstDash val="solid"/>
+            <a:miter lim="800000"/>
+          </a:ln>
+          <a:effectLst/>
+          <a:extLst>
+            <a:ext uri="{91240B29-F687-4F45-9708-019B960494DF}">
+              <a14:hiddenLine xmlns:a14="http://schemas.microsoft.com/office/drawing/2010/main" w="12700" cap="flat" cmpd="sng" algn="ctr">
+                <a:solidFill>
+                  <a:schemeClr val="accent1">
+                    <a:shade val="50000"/>
+                  </a:schemeClr>
+                </a:solidFill>
+                <a:prstDash val="solid"/>
+                <a:miter lim="800000"/>
+              </a14:hiddenLine>
+            </a:ext>
+          </a:extLst>
+        </p:spPr>
+        <p:style>
+          <a:lnRef idx="2">
+            <a:schemeClr val="accent1">
+              <a:shade val="50000"/>
+            </a:schemeClr>
+          </a:lnRef>
+          <a:fillRef idx="1">
+            <a:schemeClr val="accent1"/>
+          </a:fillRef>
+          <a:effectRef idx="0">
+            <a:schemeClr val="accent1"/>
+          </a:effectRef>
+          <a:fontRef idx="minor">
+            <a:schemeClr val="lt1"/>
+          </a:fontRef>
+        </p:style>
+        <p:txBody>
+          <a:bodyPr rtlCol="0" anchor="ctr"/>
+          <a:lstStyle/>
+          <a:p>
+            <a:pPr algn="ctr"/>
+            <a:endParaRPr lang="en-US"/>
+          </a:p>
+        </p:txBody>
+      </p:sp>
+      <p:sp>
+        <p:nvSpPr>
+          <p:cNvPr id="54" name="OTLSHAPE_SL2A_dc076fcdd1be4207b5f93815b38cd91e_HeaderRectangle" hidden="1"/>
+          <p:cNvSpPr/>
+          <p:nvPr>
+            <p:custDataLst>
+              <p:tags r:id="rId14"/>
+            </p:custDataLst>
+          </p:nvPr>
+        </p:nvSpPr>
+        <p:spPr>
+          <a:xfrm>
+            <a:off x="2095500" y="4554855"/>
+            <a:ext cx="0" cy="0"/>
+          </a:xfrm>
+          <a:prstGeom prst="rect">
+            <a:avLst/>
+          </a:prstGeom>
+          <a:solidFill>
+            <a:schemeClr val="accent2">
+              <a:alpha val="24706"/>
+            </a:schemeClr>
+          </a:solidFill>
+          <a:ln w="12700" cap="flat" cmpd="sng" algn="ctr">
+            <a:noFill/>
+            <a:prstDash val="solid"/>
+            <a:miter lim="800000"/>
+          </a:ln>
+          <a:effectLst/>
+          <a:extLst>
+            <a:ext uri="{91240B29-F687-4F45-9708-019B960494DF}">
+              <a14:hiddenLine xmlns:a14="http://schemas.microsoft.com/office/drawing/2010/main" w="12700" cap="flat" cmpd="sng" algn="ctr">
+                <a:solidFill>
+                  <a:schemeClr val="accent1">
+                    <a:shade val="50000"/>
+                  </a:schemeClr>
+                </a:solidFill>
+                <a:prstDash val="solid"/>
+                <a:miter lim="800000"/>
+              </a14:hiddenLine>
+            </a:ext>
+          </a:extLst>
+        </p:spPr>
+        <p:style>
+          <a:lnRef idx="2">
+            <a:schemeClr val="accent1">
+              <a:shade val="50000"/>
+            </a:schemeClr>
+          </a:lnRef>
+          <a:fillRef idx="1">
+            <a:schemeClr val="accent1"/>
+          </a:fillRef>
+          <a:effectRef idx="0">
+            <a:schemeClr val="accent1"/>
+          </a:effectRef>
+          <a:fontRef idx="minor">
+            <a:schemeClr val="lt1"/>
+          </a:fontRef>
+        </p:style>
+        <p:txBody>
+          <a:bodyPr rtlCol="0" anchor="ctr"/>
+          <a:lstStyle/>
+          <a:p>
+            <a:pPr algn="ctr"/>
+            <a:endParaRPr lang="en-US"/>
+          </a:p>
+        </p:txBody>
+      </p:sp>
+      <p:sp>
+        <p:nvSpPr>
+          <p:cNvPr id="115" name="OTLSHAPE_SL_f83814d4db5f4446a686bf6806a7fec9_HeaderRectangle"/>
+          <p:cNvSpPr/>
+          <p:nvPr>
+            <p:custDataLst>
+              <p:tags r:id="rId15"/>
+            </p:custDataLst>
+          </p:nvPr>
+        </p:nvSpPr>
+        <p:spPr>
+          <a:xfrm>
+            <a:off x="63500" y="5697855"/>
+            <a:ext cx="2032000" cy="812800"/>
+          </a:xfrm>
+          <a:prstGeom prst="rect">
+            <a:avLst/>
+          </a:prstGeom>
+          <a:solidFill>
+            <a:schemeClr val="accent3"/>
+          </a:solidFill>
+          <a:ln w="12700" cap="flat" cmpd="sng" algn="ctr">
+            <a:noFill/>
+            <a:prstDash val="solid"/>
+            <a:miter lim="800000"/>
+          </a:ln>
+          <a:effectLst/>
+          <a:extLst>
+            <a:ext uri="{91240B29-F687-4F45-9708-019B960494DF}">
+              <a14:hiddenLine xmlns:a14="http://schemas.microsoft.com/office/drawing/2010/main" w="12700" cap="flat" cmpd="sng" algn="ctr">
+                <a:solidFill>
+                  <a:schemeClr val="accent1">
+                    <a:shade val="50000"/>
+                  </a:schemeClr>
+                </a:solidFill>
+                <a:prstDash val="solid"/>
+                <a:miter lim="800000"/>
+              </a14:hiddenLine>
+            </a:ext>
+          </a:extLst>
+        </p:spPr>
+        <p:style>
+          <a:lnRef idx="2">
+            <a:schemeClr val="accent1">
+              <a:shade val="50000"/>
+            </a:schemeClr>
+          </a:lnRef>
+          <a:fillRef idx="1">
+            <a:schemeClr val="accent1"/>
+          </a:fillRef>
+          <a:effectRef idx="0">
+            <a:schemeClr val="accent1"/>
+          </a:effectRef>
+          <a:fontRef idx="minor">
+            <a:schemeClr val="lt1"/>
+          </a:fontRef>
+        </p:style>
+        <p:txBody>
+          <a:bodyPr rtlCol="0" anchor="ctr"/>
+          <a:lstStyle/>
+          <a:p>
+            <a:pPr algn="ctr"/>
+            <a:endParaRPr lang="en-US"/>
+          </a:p>
+        </p:txBody>
+      </p:sp>
+      <p:sp>
+        <p:nvSpPr>
+          <p:cNvPr id="129" name="OTLSHAPE_SL2A_2e6cd13b9934453f9569c04e5e65a6eb_HeaderRectangle" hidden="1"/>
+          <p:cNvSpPr/>
+          <p:nvPr>
+            <p:custDataLst>
+              <p:tags r:id="rId16"/>
+            </p:custDataLst>
+          </p:nvPr>
+        </p:nvSpPr>
+        <p:spPr>
+          <a:xfrm>
+            <a:off x="2095500" y="5697855"/>
+            <a:ext cx="0" cy="0"/>
+          </a:xfrm>
+          <a:prstGeom prst="rect">
+            <a:avLst/>
+          </a:prstGeom>
+          <a:solidFill>
+            <a:schemeClr val="accent3">
+              <a:alpha val="24706"/>
+            </a:schemeClr>
+          </a:solidFill>
+          <a:ln w="12700" cap="flat" cmpd="sng" algn="ctr">
+            <a:noFill/>
+            <a:prstDash val="solid"/>
+            <a:miter lim="800000"/>
+          </a:ln>
+          <a:effectLst/>
+          <a:extLst>
+            <a:ext uri="{91240B29-F687-4F45-9708-019B960494DF}">
+              <a14:hiddenLine xmlns:a14="http://schemas.microsoft.com/office/drawing/2010/main" w="12700" cap="flat" cmpd="sng" algn="ctr">
+                <a:solidFill>
+                  <a:schemeClr val="accent1">
+                    <a:shade val="50000"/>
+                  </a:schemeClr>
+                </a:solidFill>
+                <a:prstDash val="solid"/>
+                <a:miter lim="800000"/>
+              </a14:hiddenLine>
+            </a:ext>
+          </a:extLst>
+        </p:spPr>
+        <p:style>
+          <a:lnRef idx="2">
+            <a:schemeClr val="accent1">
+              <a:shade val="50000"/>
+            </a:schemeClr>
+          </a:lnRef>
+          <a:fillRef idx="1">
+            <a:schemeClr val="accent1"/>
+          </a:fillRef>
+          <a:effectRef idx="0">
+            <a:schemeClr val="accent1"/>
+          </a:effectRef>
+          <a:fontRef idx="minor">
+            <a:schemeClr val="lt1"/>
+          </a:fontRef>
+        </p:style>
+        <p:txBody>
+          <a:bodyPr rtlCol="0" anchor="ctr"/>
+          <a:lstStyle/>
+          <a:p>
+            <a:pPr algn="ctr"/>
+            <a:endParaRPr lang="en-US"/>
+          </a:p>
+        </p:txBody>
+      </p:sp>
+      <p:cxnSp>
+        <p:nvCxnSpPr>
+          <p:cNvPr id="26" name="OTLSHAPE_G_00000000000000000000000000000000_ShapeBelow0"/>
+          <p:cNvCxnSpPr/>
+          <p:nvPr>
+            <p:custDataLst>
+              <p:tags r:id="rId17"/>
+            </p:custDataLst>
+          </p:nvPr>
+        </p:nvCxnSpPr>
+        <p:spPr>
+          <a:xfrm>
+            <a:off x="3342480" y="3429000"/>
+            <a:ext cx="0" cy="3081655"/>
+          </a:xfrm>
+          <a:prstGeom prst="line">
+            <a:avLst/>
+          </a:prstGeom>
+          <a:ln w="9525" cap="flat" cmpd="sng" algn="ctr">
+            <a:solidFill>
+              <a:schemeClr val="accent1">
+                <a:alpha val="14902"/>
+              </a:schemeClr>
+            </a:solidFill>
+            <a:prstDash val="solid"/>
+            <a:miter lim="800000"/>
+            <a:headEnd type="none" w="med" len="med"/>
+            <a:tailEnd type="none" w="med" len="med"/>
+          </a:ln>
+        </p:spPr>
+        <p:style>
+          <a:lnRef idx="1">
+            <a:schemeClr val="accent1"/>
+          </a:lnRef>
+          <a:fillRef idx="0">
+            <a:schemeClr val="accent1"/>
+          </a:fillRef>
+          <a:effectRef idx="0">
+            <a:schemeClr val="accent1"/>
+          </a:effectRef>
+          <a:fontRef idx="minor">
+            <a:schemeClr val="tx1"/>
+          </a:fontRef>
+        </p:style>
+      </p:cxnSp>
+      <p:cxnSp>
+        <p:nvCxnSpPr>
+          <p:cNvPr id="117" name="OTLSHAPE_G_00000000000000000000000000000000_ShapeBelow1"/>
+          <p:cNvCxnSpPr/>
+          <p:nvPr>
+            <p:custDataLst>
+              <p:tags r:id="rId18"/>
+            </p:custDataLst>
+          </p:nvPr>
+        </p:nvCxnSpPr>
+        <p:spPr>
+          <a:xfrm>
+            <a:off x="4462474" y="3429001"/>
+            <a:ext cx="0" cy="3081655"/>
+          </a:xfrm>
+          <a:prstGeom prst="line">
+            <a:avLst/>
+          </a:prstGeom>
+          <a:ln w="9525" cap="flat" cmpd="sng" algn="ctr">
+            <a:solidFill>
+              <a:schemeClr val="accent1">
+                <a:alpha val="14902"/>
+              </a:schemeClr>
+            </a:solidFill>
+            <a:prstDash val="solid"/>
+            <a:miter lim="800000"/>
+            <a:headEnd type="none" w="med" len="med"/>
+            <a:tailEnd type="none" w="med" len="med"/>
+          </a:ln>
+        </p:spPr>
+        <p:style>
+          <a:lnRef idx="1">
+            <a:schemeClr val="accent1"/>
+          </a:lnRef>
+          <a:fillRef idx="0">
+            <a:schemeClr val="accent1"/>
+          </a:fillRef>
+          <a:effectRef idx="0">
+            <a:schemeClr val="accent1"/>
+          </a:effectRef>
+          <a:fontRef idx="minor">
+            <a:schemeClr val="tx1"/>
+          </a:fontRef>
+        </p:style>
+      </p:cxnSp>
+      <p:cxnSp>
+        <p:nvCxnSpPr>
+          <p:cNvPr id="100" name="OTLSHAPE_G_00000000000000000000000000000000_ShapeBelow2"/>
+          <p:cNvCxnSpPr/>
+          <p:nvPr>
+            <p:custDataLst>
+              <p:tags r:id="rId19"/>
+            </p:custDataLst>
+          </p:nvPr>
+        </p:nvCxnSpPr>
+        <p:spPr>
+          <a:xfrm>
+            <a:off x="5582467" y="3429000"/>
+            <a:ext cx="0" cy="3081655"/>
+          </a:xfrm>
+          <a:prstGeom prst="line">
+            <a:avLst/>
+          </a:prstGeom>
+          <a:ln w="9525" cap="flat" cmpd="sng" algn="ctr">
+            <a:solidFill>
+              <a:schemeClr val="accent1">
+                <a:alpha val="14902"/>
+              </a:schemeClr>
+            </a:solidFill>
+            <a:prstDash val="solid"/>
+            <a:miter lim="800000"/>
+            <a:headEnd type="none" w="med" len="med"/>
+            <a:tailEnd type="none" w="med" len="med"/>
+          </a:ln>
+        </p:spPr>
+        <p:style>
+          <a:lnRef idx="1">
+            <a:schemeClr val="accent1"/>
+          </a:lnRef>
+          <a:fillRef idx="0">
+            <a:schemeClr val="accent1"/>
+          </a:fillRef>
+          <a:effectRef idx="0">
+            <a:schemeClr val="accent1"/>
+          </a:effectRef>
+          <a:fontRef idx="minor">
+            <a:schemeClr val="tx1"/>
+          </a:fontRef>
+        </p:style>
+      </p:cxnSp>
+      <p:cxnSp>
+        <p:nvCxnSpPr>
+          <p:cNvPr id="101" name="OTLSHAPE_G_00000000000000000000000000000000_ShapeBelow3"/>
+          <p:cNvCxnSpPr/>
+          <p:nvPr>
+            <p:custDataLst>
+              <p:tags r:id="rId20"/>
+            </p:custDataLst>
+          </p:nvPr>
+        </p:nvCxnSpPr>
+        <p:spPr>
+          <a:xfrm>
+            <a:off x="6702461" y="3429000"/>
+            <a:ext cx="0" cy="3081655"/>
+          </a:xfrm>
+          <a:prstGeom prst="line">
+            <a:avLst/>
+          </a:prstGeom>
+          <a:ln w="9525" cap="flat" cmpd="sng" algn="ctr">
+            <a:solidFill>
+              <a:schemeClr val="accent1">
+                <a:alpha val="14902"/>
+              </a:schemeClr>
+            </a:solidFill>
+            <a:prstDash val="solid"/>
+            <a:miter lim="800000"/>
+            <a:headEnd type="none" w="med" len="med"/>
+            <a:tailEnd type="none" w="med" len="med"/>
+          </a:ln>
+        </p:spPr>
+        <p:style>
+          <a:lnRef idx="1">
+            <a:schemeClr val="accent1"/>
+          </a:lnRef>
+          <a:fillRef idx="0">
+            <a:schemeClr val="accent1"/>
+          </a:fillRef>
+          <a:effectRef idx="0">
+            <a:schemeClr val="accent1"/>
+          </a:effectRef>
+          <a:fontRef idx="minor">
+            <a:schemeClr val="tx1"/>
+          </a:fontRef>
+        </p:style>
+      </p:cxnSp>
+      <p:cxnSp>
+        <p:nvCxnSpPr>
+          <p:cNvPr id="102" name="OTLSHAPE_G_00000000000000000000000000000000_ShapeBelow4"/>
+          <p:cNvCxnSpPr/>
+          <p:nvPr>
+            <p:custDataLst>
+              <p:tags r:id="rId21"/>
+            </p:custDataLst>
+          </p:nvPr>
+        </p:nvCxnSpPr>
+        <p:spPr>
+          <a:xfrm>
+            <a:off x="7822454" y="3429000"/>
+            <a:ext cx="0" cy="3081655"/>
+          </a:xfrm>
+          <a:prstGeom prst="line">
+            <a:avLst/>
+          </a:prstGeom>
+          <a:ln w="9525" cap="flat" cmpd="sng" algn="ctr">
+            <a:solidFill>
+              <a:schemeClr val="accent1">
+                <a:alpha val="14902"/>
+              </a:schemeClr>
+            </a:solidFill>
+            <a:prstDash val="solid"/>
+            <a:miter lim="800000"/>
+            <a:headEnd type="none" w="med" len="med"/>
+            <a:tailEnd type="none" w="med" len="med"/>
+          </a:ln>
+        </p:spPr>
+        <p:style>
+          <a:lnRef idx="1">
+            <a:schemeClr val="accent1"/>
+          </a:lnRef>
+          <a:fillRef idx="0">
+            <a:schemeClr val="accent1"/>
+          </a:fillRef>
+          <a:effectRef idx="0">
+            <a:schemeClr val="accent1"/>
+          </a:effectRef>
+          <a:fontRef idx="minor">
+            <a:schemeClr val="tx1"/>
+          </a:fontRef>
+        </p:style>
+      </p:cxnSp>
+      <p:cxnSp>
+        <p:nvCxnSpPr>
+          <p:cNvPr id="103" name="OTLSHAPE_G_00000000000000000000000000000000_ShapeBelow5"/>
+          <p:cNvCxnSpPr/>
+          <p:nvPr>
+            <p:custDataLst>
+              <p:tags r:id="rId22"/>
+            </p:custDataLst>
+          </p:nvPr>
+        </p:nvCxnSpPr>
+        <p:spPr>
+          <a:xfrm>
+            <a:off x="8942448" y="3429000"/>
+            <a:ext cx="0" cy="3081655"/>
+          </a:xfrm>
+          <a:prstGeom prst="line">
+            <a:avLst/>
+          </a:prstGeom>
+          <a:ln w="9525" cap="flat" cmpd="sng" algn="ctr">
+            <a:solidFill>
+              <a:schemeClr val="accent1">
+                <a:alpha val="14902"/>
+              </a:schemeClr>
+            </a:solidFill>
+            <a:prstDash val="solid"/>
+            <a:miter lim="800000"/>
+            <a:headEnd type="none" w="med" len="med"/>
+            <a:tailEnd type="none" w="med" len="med"/>
+          </a:ln>
+        </p:spPr>
+        <p:style>
+          <a:lnRef idx="1">
+            <a:schemeClr val="accent1"/>
+          </a:lnRef>
+          <a:fillRef idx="0">
+            <a:schemeClr val="accent1"/>
+          </a:fillRef>
+          <a:effectRef idx="0">
+            <a:schemeClr val="accent1"/>
+          </a:effectRef>
+          <a:fontRef idx="minor">
+            <a:schemeClr val="tx1"/>
+          </a:fontRef>
+        </p:style>
+      </p:cxnSp>
+      <p:cxnSp>
+        <p:nvCxnSpPr>
+          <p:cNvPr id="104" name="OTLSHAPE_G_00000000000000000000000000000000_ShapeBelow6"/>
+          <p:cNvCxnSpPr/>
+          <p:nvPr>
+            <p:custDataLst>
+              <p:tags r:id="rId23"/>
+            </p:custDataLst>
+          </p:nvPr>
+        </p:nvCxnSpPr>
+        <p:spPr>
+          <a:xfrm>
+            <a:off x="10062441" y="3429000"/>
+            <a:ext cx="0" cy="3081655"/>
+          </a:xfrm>
+          <a:prstGeom prst="line">
+            <a:avLst/>
+          </a:prstGeom>
+          <a:ln w="9525" cap="flat" cmpd="sng" algn="ctr">
+            <a:solidFill>
+              <a:schemeClr val="accent1">
+                <a:alpha val="14902"/>
+              </a:schemeClr>
+            </a:solidFill>
+            <a:prstDash val="solid"/>
+            <a:miter lim="800000"/>
+            <a:headEnd type="none" w="med" len="med"/>
+            <a:tailEnd type="none" w="med" len="med"/>
+          </a:ln>
+        </p:spPr>
+        <p:style>
+          <a:lnRef idx="1">
+            <a:schemeClr val="accent1"/>
+          </a:lnRef>
+          <a:fillRef idx="0">
+            <a:schemeClr val="accent1"/>
+          </a:fillRef>
+          <a:effectRef idx="0">
+            <a:schemeClr val="accent1"/>
+          </a:effectRef>
+          <a:fontRef idx="minor">
+            <a:schemeClr val="tx1"/>
+          </a:fontRef>
+        </p:style>
+      </p:cxnSp>
+      <p:sp>
+        <p:nvSpPr>
+          <p:cNvPr id="109" name="OTLSHAPE_SLT_0194b4ac80d3465a82f67618660639e7_Shape"/>
+          <p:cNvSpPr/>
+          <p:nvPr>
+            <p:custDataLst>
+              <p:tags r:id="rId24"/>
+            </p:custDataLst>
+          </p:nvPr>
+        </p:nvSpPr>
+        <p:spPr>
+          <a:xfrm>
+            <a:off x="2222500" y="3983355"/>
+            <a:ext cx="4483100" cy="203200"/>
+          </a:xfrm>
+          <a:prstGeom prst="roundRect">
+            <a:avLst>
+              <a:gd name="adj" fmla="val 100000"/>
+            </a:avLst>
+          </a:prstGeom>
+          <a:solidFill>
+            <a:schemeClr val="accent1"/>
+          </a:solidFill>
+          <a:ln w="12700" cap="flat" cmpd="sng" algn="ctr">
+            <a:noFill/>
+            <a:prstDash val="solid"/>
+            <a:miter lim="800000"/>
+          </a:ln>
+          <a:effectLst/>
+          <a:scene3d>
+            <a:camera prst="orthographicFront"/>
+            <a:lightRig rig="balanced" dir="t">
+              <a:rot lat="0" lon="0" rev="8700000"/>
+            </a:lightRig>
+          </a:scene3d>
+          <a:sp3d>
+            <a:bevelT w="165100" h="12700"/>
+          </a:sp3d>
+          <a:extLst>
+            <a:ext uri="{91240B29-F687-4F45-9708-019B960494DF}">
+              <a14:hiddenLine xmlns:a14="http://schemas.microsoft.com/office/drawing/2010/main" w="12700" cap="flat" cmpd="sng" algn="ctr">
+                <a:solidFill>
+                  <a:schemeClr val="accent1">
+                    <a:shade val="50000"/>
+                  </a:schemeClr>
+                </a:solidFill>
+                <a:prstDash val="solid"/>
+                <a:miter lim="800000"/>
+              </a14:hiddenLine>
+            </a:ext>
+          </a:extLst>
+        </p:spPr>
+        <p:style>
+          <a:lnRef idx="2">
+            <a:schemeClr val="accent1">
+              <a:shade val="50000"/>
+            </a:schemeClr>
+          </a:lnRef>
+          <a:fillRef idx="1">
+            <a:schemeClr val="accent1"/>
+          </a:fillRef>
+          <a:effectRef idx="0">
+            <a:schemeClr val="accent1"/>
+          </a:effectRef>
+          <a:fontRef idx="minor">
+            <a:schemeClr val="lt1"/>
+          </a:fontRef>
+        </p:style>
+        <p:txBody>
+          <a:bodyPr rtlCol="0" anchor="ctr"/>
+          <a:lstStyle/>
+          <a:p>
+            <a:pPr algn="ctr"/>
+            <a:endParaRPr lang="en-US"/>
+          </a:p>
+        </p:txBody>
+      </p:sp>
+      <p:sp>
+        <p:nvSpPr>
+          <p:cNvPr id="156" name="OTLSHAPE_SLT_c2594a68508746189d15fef160fb738d_Shape"/>
+          <p:cNvSpPr/>
+          <p:nvPr>
+            <p:custDataLst>
+              <p:tags r:id="rId25"/>
+            </p:custDataLst>
+          </p:nvPr>
+        </p:nvSpPr>
+        <p:spPr>
+          <a:xfrm>
+            <a:off x="3342493" y="4250055"/>
+            <a:ext cx="3365500" cy="203200"/>
+          </a:xfrm>
+          <a:prstGeom prst="roundRect">
+            <a:avLst>
+              <a:gd name="adj" fmla="val 100000"/>
+            </a:avLst>
+          </a:prstGeom>
+          <a:solidFill>
+            <a:schemeClr val="accent1"/>
+          </a:solidFill>
+          <a:ln w="12700" cap="flat" cmpd="sng" algn="ctr">
+            <a:noFill/>
+            <a:prstDash val="solid"/>
+            <a:miter lim="800000"/>
+          </a:ln>
+          <a:effectLst/>
+          <a:scene3d>
+            <a:camera prst="orthographicFront"/>
+            <a:lightRig rig="balanced" dir="t">
+              <a:rot lat="0" lon="0" rev="8700000"/>
+            </a:lightRig>
+          </a:scene3d>
+          <a:sp3d>
+            <a:bevelT w="165100" h="12700"/>
+          </a:sp3d>
+          <a:extLst>
+            <a:ext uri="{91240B29-F687-4F45-9708-019B960494DF}">
+              <a14:hiddenLine xmlns:a14="http://schemas.microsoft.com/office/drawing/2010/main" w="12700" cap="flat" cmpd="sng" algn="ctr">
+                <a:solidFill>
+                  <a:schemeClr val="accent1">
+                    <a:shade val="50000"/>
+                  </a:schemeClr>
+                </a:solidFill>
+                <a:prstDash val="solid"/>
+                <a:miter lim="800000"/>
+              </a14:hiddenLine>
+            </a:ext>
+          </a:extLst>
+        </p:spPr>
+        <p:style>
+          <a:lnRef idx="2">
+            <a:schemeClr val="accent1">
+              <a:shade val="50000"/>
+            </a:schemeClr>
+          </a:lnRef>
+          <a:fillRef idx="1">
+            <a:schemeClr val="accent1"/>
+          </a:fillRef>
+          <a:effectRef idx="0">
+            <a:schemeClr val="accent1"/>
+          </a:effectRef>
+          <a:fontRef idx="minor">
+            <a:schemeClr val="lt1"/>
+          </a:fontRef>
+        </p:style>
+        <p:txBody>
+          <a:bodyPr rtlCol="0" anchor="ctr"/>
+          <a:lstStyle/>
+          <a:p>
+            <a:pPr algn="ctr"/>
+            <a:endParaRPr lang="en-US"/>
+          </a:p>
+        </p:txBody>
+      </p:sp>
+      <p:sp>
+        <p:nvSpPr>
+          <p:cNvPr id="166" name="OTLSHAPE_SLT_e14081218d4a44a8abce49e6f1a73747_Shape"/>
+          <p:cNvSpPr/>
+          <p:nvPr>
+            <p:custDataLst>
+              <p:tags r:id="rId26"/>
+            </p:custDataLst>
+          </p:nvPr>
+        </p:nvSpPr>
+        <p:spPr>
+          <a:xfrm>
+            <a:off x="3342493" y="4592955"/>
+            <a:ext cx="3365500" cy="203200"/>
+          </a:xfrm>
+          <a:prstGeom prst="roundRect">
+            <a:avLst>
+              <a:gd name="adj" fmla="val 100000"/>
+            </a:avLst>
+          </a:prstGeom>
+          <a:solidFill>
+            <a:schemeClr val="accent1"/>
+          </a:solidFill>
+          <a:ln w="12700" cap="flat" cmpd="sng" algn="ctr">
+            <a:noFill/>
+            <a:prstDash val="solid"/>
+            <a:miter lim="800000"/>
+          </a:ln>
+          <a:effectLst/>
+          <a:scene3d>
+            <a:camera prst="orthographicFront"/>
+            <a:lightRig rig="balanced" dir="t">
+              <a:rot lat="0" lon="0" rev="8700000"/>
+            </a:lightRig>
+          </a:scene3d>
+          <a:sp3d>
+            <a:bevelT w="165100" h="12700"/>
+          </a:sp3d>
+          <a:extLst>
+            <a:ext uri="{91240B29-F687-4F45-9708-019B960494DF}">
+              <a14:hiddenLine xmlns:a14="http://schemas.microsoft.com/office/drawing/2010/main" w="12700" cap="flat" cmpd="sng" algn="ctr">
+                <a:solidFill>
+                  <a:schemeClr val="accent1">
+                    <a:shade val="50000"/>
+                  </a:schemeClr>
+                </a:solidFill>
+                <a:prstDash val="solid"/>
+                <a:miter lim="800000"/>
+              </a14:hiddenLine>
+            </a:ext>
+          </a:extLst>
+        </p:spPr>
+        <p:style>
+          <a:lnRef idx="2">
+            <a:schemeClr val="accent1">
+              <a:shade val="50000"/>
+            </a:schemeClr>
+          </a:lnRef>
+          <a:fillRef idx="1">
+            <a:schemeClr val="accent1"/>
+          </a:fillRef>
+          <a:effectRef idx="0">
+            <a:schemeClr val="accent1"/>
+          </a:effectRef>
+          <a:fontRef idx="minor">
+            <a:schemeClr val="lt1"/>
+          </a:fontRef>
+        </p:style>
+        <p:txBody>
+          <a:bodyPr rtlCol="0" anchor="ctr"/>
+          <a:lstStyle/>
+          <a:p>
+            <a:pPr algn="ctr"/>
+            <a:endParaRPr lang="en-US"/>
+          </a:p>
+        </p:txBody>
+      </p:sp>
+      <p:sp>
+        <p:nvSpPr>
+          <p:cNvPr id="190" name="OTLSHAPE_SLT_0d400a0202b04264b52f11081eef6ea0_Shape"/>
+          <p:cNvSpPr/>
+          <p:nvPr>
+            <p:custDataLst>
+              <p:tags r:id="rId27"/>
+            </p:custDataLst>
+          </p:nvPr>
+        </p:nvSpPr>
+        <p:spPr>
+          <a:xfrm>
+            <a:off x="4462487" y="4859655"/>
+            <a:ext cx="3365500" cy="203200"/>
+          </a:xfrm>
+          <a:prstGeom prst="roundRect">
+            <a:avLst>
+              <a:gd name="adj" fmla="val 100000"/>
+            </a:avLst>
+          </a:prstGeom>
+          <a:solidFill>
+            <a:schemeClr val="accent1"/>
+          </a:solidFill>
+          <a:ln w="12700" cap="flat" cmpd="sng" algn="ctr">
+            <a:noFill/>
+            <a:prstDash val="solid"/>
+            <a:miter lim="800000"/>
+          </a:ln>
+          <a:effectLst/>
+          <a:scene3d>
+            <a:camera prst="orthographicFront"/>
+            <a:lightRig rig="balanced" dir="t">
+              <a:rot lat="0" lon="0" rev="8700000"/>
+            </a:lightRig>
+          </a:scene3d>
+          <a:sp3d>
+            <a:bevelT w="165100" h="12700"/>
+          </a:sp3d>
+          <a:extLst>
+            <a:ext uri="{91240B29-F687-4F45-9708-019B960494DF}">
+              <a14:hiddenLine xmlns:a14="http://schemas.microsoft.com/office/drawing/2010/main" w="12700" cap="flat" cmpd="sng" algn="ctr">
+                <a:solidFill>
+                  <a:schemeClr val="accent1">
+                    <a:shade val="50000"/>
+                  </a:schemeClr>
+                </a:solidFill>
+                <a:prstDash val="solid"/>
+                <a:miter lim="800000"/>
+              </a14:hiddenLine>
+            </a:ext>
+          </a:extLst>
+        </p:spPr>
+        <p:style>
+          <a:lnRef idx="2">
+            <a:schemeClr val="accent1">
+              <a:shade val="50000"/>
+            </a:schemeClr>
+          </a:lnRef>
+          <a:fillRef idx="1">
+            <a:schemeClr val="accent1"/>
+          </a:fillRef>
+          <a:effectRef idx="0">
+            <a:schemeClr val="accent1"/>
+          </a:effectRef>
+          <a:fontRef idx="minor">
+            <a:schemeClr val="lt1"/>
+          </a:fontRef>
+        </p:style>
+        <p:txBody>
+          <a:bodyPr rtlCol="0" anchor="ctr"/>
+          <a:lstStyle/>
+          <a:p>
+            <a:pPr algn="ctr"/>
+            <a:endParaRPr lang="en-US"/>
+          </a:p>
+        </p:txBody>
+      </p:sp>
+      <p:sp>
+        <p:nvSpPr>
+          <p:cNvPr id="198" name="OTLSHAPE_SLT_1ca13ca5a95c4937b6da3214916b30ba_Shape"/>
+          <p:cNvSpPr/>
+          <p:nvPr>
+            <p:custDataLst>
+              <p:tags r:id="rId28"/>
+            </p:custDataLst>
+          </p:nvPr>
+        </p:nvSpPr>
+        <p:spPr>
+          <a:xfrm>
+            <a:off x="4462487" y="5126355"/>
+            <a:ext cx="2247900" cy="203200"/>
+          </a:xfrm>
+          <a:prstGeom prst="roundRect">
+            <a:avLst>
+              <a:gd name="adj" fmla="val 100000"/>
+            </a:avLst>
+          </a:prstGeom>
+          <a:solidFill>
+            <a:schemeClr val="accent1"/>
+          </a:solidFill>
+          <a:ln w="12700" cap="flat" cmpd="sng" algn="ctr">
+            <a:noFill/>
+            <a:prstDash val="solid"/>
+            <a:miter lim="800000"/>
+          </a:ln>
+          <a:effectLst/>
+          <a:scene3d>
+            <a:camera prst="orthographicFront"/>
+            <a:lightRig rig="balanced" dir="t">
+              <a:rot lat="0" lon="0" rev="8700000"/>
+            </a:lightRig>
+          </a:scene3d>
+          <a:sp3d>
+            <a:bevelT w="165100" h="12700"/>
+          </a:sp3d>
+          <a:extLst>
+            <a:ext uri="{91240B29-F687-4F45-9708-019B960494DF}">
+              <a14:hiddenLine xmlns:a14="http://schemas.microsoft.com/office/drawing/2010/main" w="12700" cap="flat" cmpd="sng" algn="ctr">
+                <a:solidFill>
+                  <a:schemeClr val="accent1">
+                    <a:shade val="50000"/>
+                  </a:schemeClr>
+                </a:solidFill>
+                <a:prstDash val="solid"/>
+                <a:miter lim="800000"/>
+              </a14:hiddenLine>
+            </a:ext>
+          </a:extLst>
+        </p:spPr>
+        <p:style>
+          <a:lnRef idx="2">
+            <a:schemeClr val="accent1">
+              <a:shade val="50000"/>
+            </a:schemeClr>
+          </a:lnRef>
+          <a:fillRef idx="1">
+            <a:schemeClr val="accent1"/>
+          </a:fillRef>
+          <a:effectRef idx="0">
+            <a:schemeClr val="accent1"/>
+          </a:effectRef>
+          <a:fontRef idx="minor">
+            <a:schemeClr val="lt1"/>
+          </a:fontRef>
+        </p:style>
+        <p:txBody>
+          <a:bodyPr rtlCol="0" anchor="ctr"/>
+          <a:lstStyle/>
+          <a:p>
+            <a:pPr algn="ctr"/>
+            <a:endParaRPr lang="en-US"/>
+          </a:p>
+        </p:txBody>
+      </p:sp>
+      <p:sp>
+        <p:nvSpPr>
+          <p:cNvPr id="206" name="OTLSHAPE_SLT_8b38437b96ae47c2a89e2f9a411c8c28_Shape"/>
+          <p:cNvSpPr/>
+          <p:nvPr>
+            <p:custDataLst>
+              <p:tags r:id="rId29"/>
+            </p:custDataLst>
+          </p:nvPr>
+        </p:nvSpPr>
+        <p:spPr>
+          <a:xfrm>
+            <a:off x="5582480" y="5393055"/>
+            <a:ext cx="2247900" cy="203200"/>
+          </a:xfrm>
+          <a:prstGeom prst="roundRect">
+            <a:avLst>
+              <a:gd name="adj" fmla="val 100000"/>
+            </a:avLst>
+          </a:prstGeom>
+          <a:solidFill>
+            <a:schemeClr val="accent1"/>
+          </a:solidFill>
+          <a:ln w="12700" cap="flat" cmpd="sng" algn="ctr">
+            <a:noFill/>
+            <a:prstDash val="solid"/>
+            <a:miter lim="800000"/>
+          </a:ln>
+          <a:effectLst/>
+          <a:scene3d>
+            <a:camera prst="orthographicFront"/>
+            <a:lightRig rig="balanced" dir="t">
+              <a:rot lat="0" lon="0" rev="8700000"/>
+            </a:lightRig>
+          </a:scene3d>
+          <a:sp3d>
+            <a:bevelT w="165100" h="12700"/>
+          </a:sp3d>
+          <a:extLst>
+            <a:ext uri="{91240B29-F687-4F45-9708-019B960494DF}">
+              <a14:hiddenLine xmlns:a14="http://schemas.microsoft.com/office/drawing/2010/main" w="12700" cap="flat" cmpd="sng" algn="ctr">
+                <a:solidFill>
+                  <a:schemeClr val="accent1">
+                    <a:shade val="50000"/>
+                  </a:schemeClr>
+                </a:solidFill>
+                <a:prstDash val="solid"/>
+                <a:miter lim="800000"/>
+              </a14:hiddenLine>
+            </a:ext>
+          </a:extLst>
+        </p:spPr>
+        <p:style>
+          <a:lnRef idx="2">
+            <a:schemeClr val="accent1">
+              <a:shade val="50000"/>
+            </a:schemeClr>
+          </a:lnRef>
+          <a:fillRef idx="1">
+            <a:schemeClr val="accent1"/>
+          </a:fillRef>
+          <a:effectRef idx="0">
+            <a:schemeClr val="accent1"/>
+          </a:effectRef>
+          <a:fontRef idx="minor">
+            <a:schemeClr val="lt1"/>
+          </a:fontRef>
+        </p:style>
+        <p:txBody>
+          <a:bodyPr rtlCol="0" anchor="ctr"/>
+          <a:lstStyle/>
+          <a:p>
+            <a:pPr algn="ctr"/>
+            <a:endParaRPr lang="en-US"/>
+          </a:p>
+        </p:txBody>
+      </p:sp>
+      <p:sp>
+        <p:nvSpPr>
+          <p:cNvPr id="214" name="OTLSHAPE_SLT_491a5d7cd2c9422f9fa3c6a3b66fa0db_Shape"/>
+          <p:cNvSpPr/>
+          <p:nvPr>
+            <p:custDataLst>
+              <p:tags r:id="rId30"/>
+            </p:custDataLst>
+          </p:nvPr>
+        </p:nvSpPr>
+        <p:spPr>
+          <a:xfrm>
+            <a:off x="6702474" y="5735955"/>
+            <a:ext cx="4483100" cy="203200"/>
+          </a:xfrm>
+          <a:prstGeom prst="roundRect">
+            <a:avLst>
+              <a:gd name="adj" fmla="val 100000"/>
+            </a:avLst>
+          </a:prstGeom>
+          <a:solidFill>
+            <a:schemeClr val="accent1"/>
+          </a:solidFill>
+          <a:ln w="12700" cap="flat" cmpd="sng" algn="ctr">
+            <a:noFill/>
+            <a:prstDash val="solid"/>
+            <a:miter lim="800000"/>
+          </a:ln>
+          <a:effectLst/>
+          <a:scene3d>
+            <a:camera prst="orthographicFront"/>
+            <a:lightRig rig="balanced" dir="t">
+              <a:rot lat="0" lon="0" rev="8700000"/>
+            </a:lightRig>
+          </a:scene3d>
+          <a:sp3d>
+            <a:bevelT w="165100" h="12700"/>
+          </a:sp3d>
+          <a:extLst>
+            <a:ext uri="{91240B29-F687-4F45-9708-019B960494DF}">
+              <a14:hiddenLine xmlns:a14="http://schemas.microsoft.com/office/drawing/2010/main" w="12700" cap="flat" cmpd="sng" algn="ctr">
+                <a:solidFill>
+                  <a:schemeClr val="accent1">
+                    <a:shade val="50000"/>
+                  </a:schemeClr>
+                </a:solidFill>
+                <a:prstDash val="solid"/>
+                <a:miter lim="800000"/>
+              </a14:hiddenLine>
+            </a:ext>
+          </a:extLst>
+        </p:spPr>
+        <p:style>
+          <a:lnRef idx="2">
+            <a:schemeClr val="accent1">
+              <a:shade val="50000"/>
+            </a:schemeClr>
+          </a:lnRef>
+          <a:fillRef idx="1">
+            <a:schemeClr val="accent1"/>
+          </a:fillRef>
+          <a:effectRef idx="0">
+            <a:schemeClr val="accent1"/>
+          </a:effectRef>
+          <a:fontRef idx="minor">
+            <a:schemeClr val="lt1"/>
+          </a:fontRef>
+        </p:style>
+        <p:txBody>
+          <a:bodyPr rtlCol="0" anchor="ctr"/>
+          <a:lstStyle/>
+          <a:p>
+            <a:pPr algn="ctr"/>
+            <a:endParaRPr lang="en-US"/>
+          </a:p>
+        </p:txBody>
+      </p:sp>
+      <p:sp>
+        <p:nvSpPr>
+          <p:cNvPr id="222" name="OTLSHAPE_SLT_196e461fa3b94bed8bc56dc99e676deb_Shape"/>
+          <p:cNvSpPr/>
+          <p:nvPr>
+            <p:custDataLst>
+              <p:tags r:id="rId31"/>
+            </p:custDataLst>
+          </p:nvPr>
+        </p:nvSpPr>
+        <p:spPr>
+          <a:xfrm>
+            <a:off x="6702474" y="6269355"/>
+            <a:ext cx="2247900" cy="203200"/>
+          </a:xfrm>
+          <a:prstGeom prst="roundRect">
+            <a:avLst>
+              <a:gd name="adj" fmla="val 100000"/>
+            </a:avLst>
+          </a:prstGeom>
+          <a:solidFill>
+            <a:schemeClr val="accent1"/>
+          </a:solidFill>
+          <a:ln w="12700" cap="flat" cmpd="sng" algn="ctr">
+            <a:noFill/>
+            <a:prstDash val="solid"/>
+            <a:miter lim="800000"/>
+          </a:ln>
+          <a:effectLst/>
+          <a:scene3d>
+            <a:camera prst="orthographicFront"/>
+            <a:lightRig rig="balanced" dir="t">
+              <a:rot lat="0" lon="0" rev="8700000"/>
+            </a:lightRig>
+          </a:scene3d>
+          <a:sp3d>
+            <a:bevelT w="165100" h="12700"/>
+          </a:sp3d>
+          <a:extLst>
+            <a:ext uri="{91240B29-F687-4F45-9708-019B960494DF}">
+              <a14:hiddenLine xmlns:a14="http://schemas.microsoft.com/office/drawing/2010/main" w="12700" cap="flat" cmpd="sng" algn="ctr">
+                <a:solidFill>
+                  <a:schemeClr val="accent1">
+                    <a:shade val="50000"/>
+                  </a:schemeClr>
+                </a:solidFill>
+                <a:prstDash val="solid"/>
+                <a:miter lim="800000"/>
+              </a14:hiddenLine>
+            </a:ext>
+          </a:extLst>
+        </p:spPr>
+        <p:style>
+          <a:lnRef idx="2">
+            <a:schemeClr val="accent1">
+              <a:shade val="50000"/>
+            </a:schemeClr>
+          </a:lnRef>
+          <a:fillRef idx="1">
+            <a:schemeClr val="accent1"/>
+          </a:fillRef>
+          <a:effectRef idx="0">
+            <a:schemeClr val="accent1"/>
+          </a:effectRef>
+          <a:fontRef idx="minor">
+            <a:schemeClr val="lt1"/>
+          </a:fontRef>
+        </p:style>
+        <p:txBody>
+          <a:bodyPr rtlCol="0" anchor="ctr"/>
+          <a:lstStyle/>
+          <a:p>
+            <a:pPr algn="ctr"/>
+            <a:endParaRPr lang="en-US"/>
+          </a:p>
+        </p:txBody>
+      </p:sp>
+      <p:sp>
+        <p:nvSpPr>
+          <p:cNvPr id="17" name="OTLSHAPE_SLT_4e7c1896111a4cd8afc2c54654aa982d_Shape"/>
+          <p:cNvSpPr/>
+          <p:nvPr>
+            <p:custDataLst>
+              <p:tags r:id="rId32"/>
+            </p:custDataLst>
+          </p:nvPr>
+        </p:nvSpPr>
+        <p:spPr>
+          <a:xfrm>
+            <a:off x="6702474" y="6002655"/>
+            <a:ext cx="2247900" cy="203200"/>
+          </a:xfrm>
+          <a:prstGeom prst="roundRect">
+            <a:avLst>
+              <a:gd name="adj" fmla="val 100000"/>
+            </a:avLst>
+          </a:prstGeom>
+          <a:solidFill>
+            <a:schemeClr val="accent1"/>
+          </a:solidFill>
+          <a:ln w="12700" cap="flat" cmpd="sng" algn="ctr">
+            <a:noFill/>
+            <a:prstDash val="solid"/>
+            <a:miter lim="800000"/>
+          </a:ln>
+          <a:effectLst/>
+          <a:scene3d>
+            <a:camera prst="orthographicFront"/>
+            <a:lightRig rig="balanced" dir="t">
+              <a:rot lat="0" lon="0" rev="8700000"/>
+            </a:lightRig>
+          </a:scene3d>
+          <a:sp3d>
+            <a:bevelT w="165100" h="12700"/>
+          </a:sp3d>
+          <a:extLst>
+            <a:ext uri="{91240B29-F687-4F45-9708-019B960494DF}">
+              <a14:hiddenLine xmlns:a14="http://schemas.microsoft.com/office/drawing/2010/main" w="12700" cap="flat" cmpd="sng" algn="ctr">
+                <a:solidFill>
+                  <a:schemeClr val="accent1">
+                    <a:shade val="50000"/>
+                  </a:schemeClr>
+                </a:solidFill>
+                <a:prstDash val="solid"/>
+                <a:miter lim="800000"/>
+              </a14:hiddenLine>
+            </a:ext>
+          </a:extLst>
+        </p:spPr>
+        <p:style>
+          <a:lnRef idx="2">
+            <a:schemeClr val="accent1">
+              <a:shade val="50000"/>
+            </a:schemeClr>
+          </a:lnRef>
+          <a:fillRef idx="1">
+            <a:schemeClr val="accent1"/>
+          </a:fillRef>
+          <a:effectRef idx="0">
+            <a:schemeClr val="accent1"/>
+          </a:effectRef>
+          <a:fontRef idx="minor">
+            <a:schemeClr val="lt1"/>
+          </a:fontRef>
+        </p:style>
+        <p:txBody>
+          <a:bodyPr rtlCol="0" anchor="ctr"/>
+          <a:lstStyle/>
+          <a:p>
+            <a:pPr algn="ctr"/>
+            <a:endParaRPr lang="en-US"/>
+          </a:p>
+        </p:txBody>
+      </p:sp>
+      <p:sp>
+        <p:nvSpPr>
+          <p:cNvPr id="5" name="OTLSHAPE_TB_00000000000000000000000000000000_ElapsedTime"/>
+          <p:cNvSpPr/>
+          <p:nvPr>
+            <p:custDataLst>
+              <p:tags r:id="rId33"/>
+            </p:custDataLst>
+          </p:nvPr>
+        </p:nvSpPr>
+        <p:spPr>
+          <a:xfrm>
+            <a:off x="2057400" y="3048000"/>
+            <a:ext cx="7620000" cy="381000"/>
+          </a:xfrm>
+          <a:prstGeom prst="roundRect">
+            <a:avLst>
+              <a:gd name="adj" fmla="val 10000000"/>
+            </a:avLst>
+          </a:prstGeom>
+          <a:solidFill>
+            <a:srgbClr val="FF0000">
+              <a:alpha val="30196"/>
+            </a:srgbClr>
+          </a:solidFill>
+          <a:ln w="12700" cap="flat" cmpd="sng" algn="ctr">
+            <a:noFill/>
+            <a:prstDash val="solid"/>
+            <a:miter lim="800000"/>
+          </a:ln>
+          <a:effectLst/>
+          <a:scene3d>
+            <a:camera prst="orthographicFront"/>
+            <a:lightRig rig="threePt" dir="t"/>
+          </a:scene3d>
+          <a:sp3d>
+            <a:bevelT w="12700" h="139700"/>
+          </a:sp3d>
+          <a:extLst>
+            <a:ext uri="{91240B29-F687-4F45-9708-019B960494DF}">
+              <a14:hiddenLine xmlns:a14="http://schemas.microsoft.com/office/drawing/2010/main" w="12700" cap="flat" cmpd="sng" algn="ctr">
+                <a:solidFill>
+                  <a:schemeClr val="accent1">
+                    <a:shade val="50000"/>
+                  </a:schemeClr>
+                </a:solidFill>
+                <a:prstDash val="solid"/>
+                <a:miter lim="800000"/>
+              </a14:hiddenLine>
+            </a:ext>
+          </a:extLst>
+        </p:spPr>
+        <p:style>
+          <a:lnRef idx="2">
+            <a:schemeClr val="accent1">
+              <a:shade val="50000"/>
+            </a:schemeClr>
+          </a:lnRef>
+          <a:fillRef idx="1">
+            <a:schemeClr val="accent1"/>
+          </a:fillRef>
+          <a:effectRef idx="0">
+            <a:schemeClr val="accent1"/>
+          </a:effectRef>
+          <a:fontRef idx="minor">
+            <a:schemeClr val="lt1"/>
+          </a:fontRef>
+        </p:style>
+        <p:txBody>
+          <a:bodyPr rtlCol="0" anchor="ctr"/>
+          <a:lstStyle/>
+          <a:p>
+            <a:pPr algn="ctr"/>
+            <a:endParaRPr lang="en-US"/>
+          </a:p>
+        </p:txBody>
+      </p:sp>
+      <p:sp>
+        <p:nvSpPr>
+          <p:cNvPr id="110" name="OTLSHAPE_SLT_0194b4ac80d3465a82f67618660639e7_ShapePercentage" hidden="1"/>
+          <p:cNvSpPr/>
+          <p:nvPr>
+            <p:custDataLst>
+              <p:tags r:id="rId34"/>
+            </p:custDataLst>
+          </p:nvPr>
+        </p:nvSpPr>
+        <p:spPr>
+          <a:xfrm>
+            <a:off x="2222500" y="3983355"/>
+            <a:ext cx="0" cy="0"/>
+          </a:xfrm>
+          <a:prstGeom prst="roundRect">
+            <a:avLst>
+              <a:gd name="adj" fmla="val 100000"/>
+            </a:avLst>
+          </a:prstGeom>
+          <a:solidFill>
+            <a:schemeClr val="dk1">
+              <a:alpha val="34902"/>
+            </a:schemeClr>
+          </a:solidFill>
+          <a:ln w="12700" cap="flat" cmpd="sng" algn="ctr">
+            <a:noFill/>
+            <a:prstDash val="solid"/>
+            <a:miter lim="800000"/>
+          </a:ln>
+          <a:effectLst/>
+          <a:extLst>
+            <a:ext uri="{91240B29-F687-4F45-9708-019B960494DF}">
+              <a14:hiddenLine xmlns:a14="http://schemas.microsoft.com/office/drawing/2010/main" w="12700" cap="flat" cmpd="sng" algn="ctr">
+                <a:solidFill>
+                  <a:schemeClr val="accent1">
+                    <a:shade val="50000"/>
+                  </a:schemeClr>
+                </a:solidFill>
+                <a:prstDash val="solid"/>
+                <a:miter lim="800000"/>
+              </a14:hiddenLine>
+            </a:ext>
+          </a:extLst>
+        </p:spPr>
+        <p:style>
+          <a:lnRef idx="2">
+            <a:schemeClr val="accent1">
+              <a:shade val="50000"/>
+            </a:schemeClr>
+          </a:lnRef>
+          <a:fillRef idx="1">
+            <a:schemeClr val="accent1"/>
+          </a:fillRef>
+          <a:effectRef idx="0">
+            <a:schemeClr val="accent1"/>
+          </a:effectRef>
+          <a:fontRef idx="minor">
+            <a:schemeClr val="lt1"/>
+          </a:fontRef>
+        </p:style>
+        <p:txBody>
+          <a:bodyPr rtlCol="0" anchor="ctr"/>
+          <a:lstStyle/>
+          <a:p>
+            <a:pPr algn="ctr"/>
+            <a:endParaRPr lang="en-US"/>
+          </a:p>
+        </p:txBody>
+      </p:sp>
+      <p:sp>
+        <p:nvSpPr>
+          <p:cNvPr id="159" name="OTLSHAPE_SLT_c2594a68508746189d15fef160fb738d_ShapePercentage" hidden="1"/>
+          <p:cNvSpPr/>
+          <p:nvPr>
+            <p:custDataLst>
+              <p:tags r:id="rId35"/>
+            </p:custDataLst>
+          </p:nvPr>
+        </p:nvSpPr>
+        <p:spPr>
+          <a:xfrm>
+            <a:off x="3342493" y="4250055"/>
+            <a:ext cx="0" cy="0"/>
+          </a:xfrm>
+          <a:prstGeom prst="roundRect">
+            <a:avLst>
+              <a:gd name="adj" fmla="val 100000"/>
+            </a:avLst>
+          </a:prstGeom>
+          <a:solidFill>
+            <a:schemeClr val="dk1">
+              <a:alpha val="34902"/>
+            </a:schemeClr>
+          </a:solidFill>
+          <a:ln w="12700" cap="flat" cmpd="sng" algn="ctr">
+            <a:noFill/>
+            <a:prstDash val="solid"/>
+            <a:miter lim="800000"/>
+          </a:ln>
+          <a:effectLst/>
+          <a:extLst>
+            <a:ext uri="{91240B29-F687-4F45-9708-019B960494DF}">
+              <a14:hiddenLine xmlns:a14="http://schemas.microsoft.com/office/drawing/2010/main" w="12700" cap="flat" cmpd="sng" algn="ctr">
+                <a:solidFill>
+                  <a:schemeClr val="accent1">
+                    <a:shade val="50000"/>
+                  </a:schemeClr>
+                </a:solidFill>
+                <a:prstDash val="solid"/>
+                <a:miter lim="800000"/>
+              </a14:hiddenLine>
+            </a:ext>
+          </a:extLst>
+        </p:spPr>
+        <p:style>
+          <a:lnRef idx="2">
+            <a:schemeClr val="accent1">
+              <a:shade val="50000"/>
+            </a:schemeClr>
+          </a:lnRef>
+          <a:fillRef idx="1">
+            <a:schemeClr val="accent1"/>
+          </a:fillRef>
+          <a:effectRef idx="0">
+            <a:schemeClr val="accent1"/>
+          </a:effectRef>
+          <a:fontRef idx="minor">
+            <a:schemeClr val="lt1"/>
+          </a:fontRef>
+        </p:style>
+        <p:txBody>
+          <a:bodyPr rtlCol="0" anchor="ctr"/>
+          <a:lstStyle/>
+          <a:p>
+            <a:pPr algn="ctr"/>
+            <a:endParaRPr lang="en-US"/>
+          </a:p>
+        </p:txBody>
+      </p:sp>
+      <p:sp>
+        <p:nvSpPr>
+          <p:cNvPr id="167" name="OTLSHAPE_SLT_e14081218d4a44a8abce49e6f1a73747_ShapePercentage" hidden="1"/>
+          <p:cNvSpPr/>
+          <p:nvPr>
+            <p:custDataLst>
+              <p:tags r:id="rId36"/>
+            </p:custDataLst>
+          </p:nvPr>
+        </p:nvSpPr>
+        <p:spPr>
+          <a:xfrm>
+            <a:off x="3342493" y="4592955"/>
+            <a:ext cx="0" cy="0"/>
+          </a:xfrm>
+          <a:prstGeom prst="roundRect">
+            <a:avLst>
+              <a:gd name="adj" fmla="val 100000"/>
+            </a:avLst>
+          </a:prstGeom>
+          <a:solidFill>
+            <a:schemeClr val="dk1">
+              <a:alpha val="34902"/>
+            </a:schemeClr>
+          </a:solidFill>
+          <a:ln w="12700" cap="flat" cmpd="sng" algn="ctr">
+            <a:noFill/>
+            <a:prstDash val="solid"/>
+            <a:miter lim="800000"/>
+          </a:ln>
+          <a:effectLst/>
+          <a:extLst>
+            <a:ext uri="{91240B29-F687-4F45-9708-019B960494DF}">
+              <a14:hiddenLine xmlns:a14="http://schemas.microsoft.com/office/drawing/2010/main" w="12700" cap="flat" cmpd="sng" algn="ctr">
+                <a:solidFill>
+                  <a:schemeClr val="accent1">
+                    <a:shade val="50000"/>
+                  </a:schemeClr>
+                </a:solidFill>
+                <a:prstDash val="solid"/>
+                <a:miter lim="800000"/>
+              </a14:hiddenLine>
+            </a:ext>
+          </a:extLst>
+        </p:spPr>
+        <p:style>
+          <a:lnRef idx="2">
+            <a:schemeClr val="accent1">
+              <a:shade val="50000"/>
+            </a:schemeClr>
+          </a:lnRef>
+          <a:fillRef idx="1">
+            <a:schemeClr val="accent1"/>
+          </a:fillRef>
+          <a:effectRef idx="0">
+            <a:schemeClr val="accent1"/>
+          </a:effectRef>
+          <a:fontRef idx="minor">
+            <a:schemeClr val="lt1"/>
+          </a:fontRef>
+        </p:style>
+        <p:txBody>
+          <a:bodyPr rtlCol="0" anchor="ctr"/>
+          <a:lstStyle/>
+          <a:p>
+            <a:pPr algn="ctr"/>
+            <a:endParaRPr lang="en-US"/>
+          </a:p>
+        </p:txBody>
+      </p:sp>
+      <p:sp>
+        <p:nvSpPr>
+          <p:cNvPr id="191" name="OTLSHAPE_SLT_0d400a0202b04264b52f11081eef6ea0_ShapePercentage" hidden="1"/>
+          <p:cNvSpPr/>
+          <p:nvPr>
+            <p:custDataLst>
+              <p:tags r:id="rId37"/>
+            </p:custDataLst>
+          </p:nvPr>
+        </p:nvSpPr>
+        <p:spPr>
+          <a:xfrm>
+            <a:off x="4462487" y="4859655"/>
+            <a:ext cx="0" cy="0"/>
+          </a:xfrm>
+          <a:prstGeom prst="roundRect">
+            <a:avLst>
+              <a:gd name="adj" fmla="val 100000"/>
+            </a:avLst>
+          </a:prstGeom>
+          <a:solidFill>
+            <a:schemeClr val="dk1">
+              <a:alpha val="34902"/>
+            </a:schemeClr>
+          </a:solidFill>
+          <a:ln w="12700" cap="flat" cmpd="sng" algn="ctr">
+            <a:noFill/>
+            <a:prstDash val="solid"/>
+            <a:miter lim="800000"/>
+          </a:ln>
+          <a:effectLst/>
+          <a:extLst>
+            <a:ext uri="{91240B29-F687-4F45-9708-019B960494DF}">
+              <a14:hiddenLine xmlns:a14="http://schemas.microsoft.com/office/drawing/2010/main" w="12700" cap="flat" cmpd="sng" algn="ctr">
+                <a:solidFill>
+                  <a:schemeClr val="accent1">
+                    <a:shade val="50000"/>
+                  </a:schemeClr>
+                </a:solidFill>
+                <a:prstDash val="solid"/>
+                <a:miter lim="800000"/>
+              </a14:hiddenLine>
+            </a:ext>
+          </a:extLst>
+        </p:spPr>
+        <p:style>
+          <a:lnRef idx="2">
+            <a:schemeClr val="accent1">
+              <a:shade val="50000"/>
+            </a:schemeClr>
+          </a:lnRef>
+          <a:fillRef idx="1">
+            <a:schemeClr val="accent1"/>
+          </a:fillRef>
+          <a:effectRef idx="0">
+            <a:schemeClr val="accent1"/>
+          </a:effectRef>
+          <a:fontRef idx="minor">
+            <a:schemeClr val="lt1"/>
+          </a:fontRef>
+        </p:style>
+        <p:txBody>
+          <a:bodyPr rtlCol="0" anchor="ctr"/>
+          <a:lstStyle/>
+          <a:p>
+            <a:pPr algn="ctr"/>
+            <a:endParaRPr lang="en-US"/>
+          </a:p>
+        </p:txBody>
+      </p:sp>
+      <p:sp>
+        <p:nvSpPr>
+          <p:cNvPr id="199" name="OTLSHAPE_SLT_1ca13ca5a95c4937b6da3214916b30ba_ShapePercentage" hidden="1"/>
+          <p:cNvSpPr/>
+          <p:nvPr>
+            <p:custDataLst>
+              <p:tags r:id="rId38"/>
+            </p:custDataLst>
+          </p:nvPr>
+        </p:nvSpPr>
+        <p:spPr>
+          <a:xfrm>
+            <a:off x="4462487" y="5126355"/>
+            <a:ext cx="0" cy="0"/>
+          </a:xfrm>
+          <a:prstGeom prst="roundRect">
+            <a:avLst>
+              <a:gd name="adj" fmla="val 100000"/>
+            </a:avLst>
+          </a:prstGeom>
+          <a:solidFill>
+            <a:schemeClr val="dk1">
+              <a:alpha val="34902"/>
+            </a:schemeClr>
+          </a:solidFill>
+          <a:ln w="12700" cap="flat" cmpd="sng" algn="ctr">
+            <a:noFill/>
+            <a:prstDash val="solid"/>
+            <a:miter lim="800000"/>
+          </a:ln>
+          <a:effectLst/>
+          <a:extLst>
+            <a:ext uri="{91240B29-F687-4F45-9708-019B960494DF}">
+              <a14:hiddenLine xmlns:a14="http://schemas.microsoft.com/office/drawing/2010/main" w="12700" cap="flat" cmpd="sng" algn="ctr">
+                <a:solidFill>
+                  <a:schemeClr val="accent1">
+                    <a:shade val="50000"/>
+                  </a:schemeClr>
+                </a:solidFill>
+                <a:prstDash val="solid"/>
+                <a:miter lim="800000"/>
+              </a14:hiddenLine>
+            </a:ext>
+          </a:extLst>
+        </p:spPr>
+        <p:style>
+          <a:lnRef idx="2">
+            <a:schemeClr val="accent1">
+              <a:shade val="50000"/>
+            </a:schemeClr>
+          </a:lnRef>
+          <a:fillRef idx="1">
+            <a:schemeClr val="accent1"/>
+          </a:fillRef>
+          <a:effectRef idx="0">
+            <a:schemeClr val="accent1"/>
+          </a:effectRef>
+          <a:fontRef idx="minor">
+            <a:schemeClr val="lt1"/>
+          </a:fontRef>
+        </p:style>
+        <p:txBody>
+          <a:bodyPr rtlCol="0" anchor="ctr"/>
+          <a:lstStyle/>
+          <a:p>
+            <a:pPr algn="ctr"/>
+            <a:endParaRPr lang="en-US"/>
+          </a:p>
+        </p:txBody>
+      </p:sp>
+      <p:sp>
+        <p:nvSpPr>
+          <p:cNvPr id="207" name="OTLSHAPE_SLT_8b38437b96ae47c2a89e2f9a411c8c28_ShapePercentage" hidden="1"/>
+          <p:cNvSpPr/>
+          <p:nvPr>
+            <p:custDataLst>
+              <p:tags r:id="rId39"/>
+            </p:custDataLst>
+          </p:nvPr>
+        </p:nvSpPr>
+        <p:spPr>
+          <a:xfrm>
+            <a:off x="5582480" y="5393055"/>
+            <a:ext cx="0" cy="0"/>
+          </a:xfrm>
+          <a:prstGeom prst="roundRect">
+            <a:avLst>
+              <a:gd name="adj" fmla="val 100000"/>
+            </a:avLst>
+          </a:prstGeom>
+          <a:solidFill>
+            <a:schemeClr val="dk1">
+              <a:alpha val="34902"/>
+            </a:schemeClr>
+          </a:solidFill>
+          <a:ln w="12700" cap="flat" cmpd="sng" algn="ctr">
+            <a:noFill/>
+            <a:prstDash val="solid"/>
+            <a:miter lim="800000"/>
+          </a:ln>
+          <a:effectLst/>
+          <a:extLst>
+            <a:ext uri="{91240B29-F687-4F45-9708-019B960494DF}">
+              <a14:hiddenLine xmlns:a14="http://schemas.microsoft.com/office/drawing/2010/main" w="12700" cap="flat" cmpd="sng" algn="ctr">
+                <a:solidFill>
+                  <a:schemeClr val="accent1">
+                    <a:shade val="50000"/>
+                  </a:schemeClr>
+                </a:solidFill>
+                <a:prstDash val="solid"/>
+                <a:miter lim="800000"/>
+              </a14:hiddenLine>
+            </a:ext>
+          </a:extLst>
+        </p:spPr>
+        <p:style>
+          <a:lnRef idx="2">
+            <a:schemeClr val="accent1">
+              <a:shade val="50000"/>
+            </a:schemeClr>
+          </a:lnRef>
+          <a:fillRef idx="1">
+            <a:schemeClr val="accent1"/>
+          </a:fillRef>
+          <a:effectRef idx="0">
+            <a:schemeClr val="accent1"/>
+          </a:effectRef>
+          <a:fontRef idx="minor">
+            <a:schemeClr val="lt1"/>
+          </a:fontRef>
+        </p:style>
+        <p:txBody>
+          <a:bodyPr rtlCol="0" anchor="ctr"/>
+          <a:lstStyle/>
+          <a:p>
+            <a:pPr algn="ctr"/>
+            <a:endParaRPr lang="en-US"/>
+          </a:p>
+        </p:txBody>
+      </p:sp>
+      <p:sp>
+        <p:nvSpPr>
+          <p:cNvPr id="215" name="OTLSHAPE_SLT_491a5d7cd2c9422f9fa3c6a3b66fa0db_ShapePercentage" hidden="1"/>
+          <p:cNvSpPr/>
+          <p:nvPr>
+            <p:custDataLst>
+              <p:tags r:id="rId40"/>
+            </p:custDataLst>
+          </p:nvPr>
+        </p:nvSpPr>
+        <p:spPr>
+          <a:xfrm>
+            <a:off x="6702474" y="5735955"/>
+            <a:ext cx="0" cy="0"/>
+          </a:xfrm>
+          <a:prstGeom prst="roundRect">
+            <a:avLst>
+              <a:gd name="adj" fmla="val 100000"/>
+            </a:avLst>
+          </a:prstGeom>
+          <a:solidFill>
+            <a:schemeClr val="dk1">
+              <a:alpha val="34902"/>
+            </a:schemeClr>
+          </a:solidFill>
+          <a:ln w="12700" cap="flat" cmpd="sng" algn="ctr">
+            <a:noFill/>
+            <a:prstDash val="solid"/>
+            <a:miter lim="800000"/>
+          </a:ln>
+          <a:effectLst/>
+          <a:extLst>
+            <a:ext uri="{91240B29-F687-4F45-9708-019B960494DF}">
+              <a14:hiddenLine xmlns:a14="http://schemas.microsoft.com/office/drawing/2010/main" w="12700" cap="flat" cmpd="sng" algn="ctr">
+                <a:solidFill>
+                  <a:schemeClr val="accent1">
+                    <a:shade val="50000"/>
+                  </a:schemeClr>
+                </a:solidFill>
+                <a:prstDash val="solid"/>
+                <a:miter lim="800000"/>
+              </a14:hiddenLine>
+            </a:ext>
+          </a:extLst>
+        </p:spPr>
+        <p:style>
+          <a:lnRef idx="2">
+            <a:schemeClr val="accent1">
+              <a:shade val="50000"/>
+            </a:schemeClr>
+          </a:lnRef>
+          <a:fillRef idx="1">
+            <a:schemeClr val="accent1"/>
+          </a:fillRef>
+          <a:effectRef idx="0">
+            <a:schemeClr val="accent1"/>
+          </a:effectRef>
+          <a:fontRef idx="minor">
+            <a:schemeClr val="lt1"/>
+          </a:fontRef>
+        </p:style>
+        <p:txBody>
+          <a:bodyPr rtlCol="0" anchor="ctr"/>
+          <a:lstStyle/>
+          <a:p>
+            <a:pPr algn="ctr"/>
+            <a:endParaRPr lang="en-US"/>
+          </a:p>
+        </p:txBody>
+      </p:sp>
+      <p:sp>
+        <p:nvSpPr>
+          <p:cNvPr id="223" name="OTLSHAPE_SLT_196e461fa3b94bed8bc56dc99e676deb_ShapePercentage" hidden="1"/>
+          <p:cNvSpPr/>
+          <p:nvPr>
+            <p:custDataLst>
+              <p:tags r:id="rId41"/>
+            </p:custDataLst>
+          </p:nvPr>
+        </p:nvSpPr>
+        <p:spPr>
+          <a:xfrm>
+            <a:off x="6702474" y="6269355"/>
+            <a:ext cx="0" cy="0"/>
+          </a:xfrm>
+          <a:prstGeom prst="roundRect">
+            <a:avLst>
+              <a:gd name="adj" fmla="val 100000"/>
+            </a:avLst>
+          </a:prstGeom>
+          <a:solidFill>
+            <a:schemeClr val="dk1">
+              <a:alpha val="34902"/>
+            </a:schemeClr>
+          </a:solidFill>
+          <a:ln w="12700" cap="flat" cmpd="sng" algn="ctr">
+            <a:noFill/>
+            <a:prstDash val="solid"/>
+            <a:miter lim="800000"/>
+          </a:ln>
+          <a:effectLst/>
+          <a:extLst>
+            <a:ext uri="{91240B29-F687-4F45-9708-019B960494DF}">
+              <a14:hiddenLine xmlns:a14="http://schemas.microsoft.com/office/drawing/2010/main" w="12700" cap="flat" cmpd="sng" algn="ctr">
+                <a:solidFill>
+                  <a:schemeClr val="accent1">
+                    <a:shade val="50000"/>
+                  </a:schemeClr>
+                </a:solidFill>
+                <a:prstDash val="solid"/>
+                <a:miter lim="800000"/>
+              </a14:hiddenLine>
+            </a:ext>
+          </a:extLst>
+        </p:spPr>
+        <p:style>
+          <a:lnRef idx="2">
+            <a:schemeClr val="accent1">
+              <a:shade val="50000"/>
+            </a:schemeClr>
+          </a:lnRef>
+          <a:fillRef idx="1">
+            <a:schemeClr val="accent1"/>
+          </a:fillRef>
+          <a:effectRef idx="0">
+            <a:schemeClr val="accent1"/>
+          </a:effectRef>
+          <a:fontRef idx="minor">
+            <a:schemeClr val="lt1"/>
+          </a:fontRef>
+        </p:style>
+        <p:txBody>
+          <a:bodyPr rtlCol="0" anchor="ctr"/>
+          <a:lstStyle/>
+          <a:p>
+            <a:pPr algn="ctr"/>
+            <a:endParaRPr lang="en-US"/>
+          </a:p>
+        </p:txBody>
+      </p:sp>
+      <p:sp>
+        <p:nvSpPr>
+          <p:cNvPr id="18" name="OTLSHAPE_SLT_4e7c1896111a4cd8afc2c54654aa982d_ShapePercentage" hidden="1"/>
+          <p:cNvSpPr/>
+          <p:nvPr>
+            <p:custDataLst>
+              <p:tags r:id="rId42"/>
+            </p:custDataLst>
+          </p:nvPr>
+        </p:nvSpPr>
+        <p:spPr>
+          <a:xfrm>
+            <a:off x="6702474" y="6002655"/>
+            <a:ext cx="0" cy="0"/>
+          </a:xfrm>
+          <a:prstGeom prst="roundRect">
+            <a:avLst>
+              <a:gd name="adj" fmla="val 100000"/>
+            </a:avLst>
+          </a:prstGeom>
+          <a:solidFill>
+            <a:schemeClr val="dk1">
+              <a:alpha val="34902"/>
+            </a:schemeClr>
+          </a:solidFill>
+          <a:ln w="12700" cap="flat" cmpd="sng" algn="ctr">
+            <a:noFill/>
+            <a:prstDash val="solid"/>
+            <a:miter lim="800000"/>
+          </a:ln>
+          <a:effectLst/>
+          <a:extLst>
+            <a:ext uri="{91240B29-F687-4F45-9708-019B960494DF}">
+              <a14:hiddenLine xmlns:a14="http://schemas.microsoft.com/office/drawing/2010/main" w="12700" cap="flat" cmpd="sng" algn="ctr">
+                <a:solidFill>
+                  <a:schemeClr val="accent1">
+                    <a:shade val="50000"/>
+                  </a:schemeClr>
+                </a:solidFill>
+                <a:prstDash val="solid"/>
+                <a:miter lim="800000"/>
+              </a14:hiddenLine>
+            </a:ext>
+          </a:extLst>
+        </p:spPr>
+        <p:style>
+          <a:lnRef idx="2">
+            <a:schemeClr val="accent1">
+              <a:shade val="50000"/>
+            </a:schemeClr>
+          </a:lnRef>
+          <a:fillRef idx="1">
+            <a:schemeClr val="accent1"/>
+          </a:fillRef>
+          <a:effectRef idx="0">
+            <a:schemeClr val="accent1"/>
+          </a:effectRef>
+          <a:fontRef idx="minor">
+            <a:schemeClr val="lt1"/>
+          </a:fontRef>
+        </p:style>
+        <p:txBody>
+          <a:bodyPr rtlCol="0" anchor="ctr"/>
+          <a:lstStyle/>
+          <a:p>
+            <a:pPr algn="ctr"/>
+            <a:endParaRPr lang="en-US"/>
+          </a:p>
+        </p:txBody>
+      </p:sp>
+      <p:sp>
+        <p:nvSpPr>
+          <p:cNvPr id="13" name="OTLSHAPE_SL_93b0b08ffe0b4763bf4df938f38df717_Header"/>
+          <p:cNvSpPr txBox="1"/>
+          <p:nvPr>
+            <p:custDataLst>
+              <p:tags r:id="rId43"/>
+            </p:custDataLst>
+          </p:nvPr>
+        </p:nvSpPr>
+        <p:spPr>
+          <a:xfrm>
+            <a:off x="63500" y="4125278"/>
+            <a:ext cx="2032000" cy="186055"/>
+          </a:xfrm>
+          <a:prstGeom prst="rect">
+            <a:avLst/>
+          </a:prstGeom>
+          <a:noFill/>
+        </p:spPr>
+        <p:txBody>
+          <a:bodyPr vert="horz" wrap="square" lIns="0" tIns="0" rIns="0" bIns="0" rtlCol="0" anchor="ctr" anchorCtr="0">
+            <a:noAutofit/>
+          </a:bodyPr>
+          <a:lstStyle/>
+          <a:p>
+            <a:pPr algn="ctr"/>
+            <a:r>
+              <a:rPr lang="en-US" sz="1200" smtClean="0">
+                <a:solidFill>
+                  <a:schemeClr val="lt1"/>
+                </a:solidFill>
+                <a:latin typeface="Calibri" panose="020F0502020204030204" pitchFamily="34" charset="0"/>
+              </a:rPr>
+              <a:t>Development Completion</a:t>
+            </a:r>
+            <a:endParaRPr lang="en-US" sz="1200">
+              <a:solidFill>
+                <a:schemeClr val="lt1"/>
+              </a:solidFill>
+              <a:latin typeface="Calibri" panose="020F0502020204030204" pitchFamily="34" charset="0"/>
+            </a:endParaRPr>
+          </a:p>
+        </p:txBody>
+      </p:sp>
+      <p:sp>
+        <p:nvSpPr>
+          <p:cNvPr id="16" name="OTLSHAPE_SL_e20ac6c3ca0f45ddbb495b18aba18a3d_Header"/>
+          <p:cNvSpPr txBox="1"/>
+          <p:nvPr>
+            <p:custDataLst>
+              <p:tags r:id="rId44"/>
+            </p:custDataLst>
+          </p:nvPr>
+        </p:nvSpPr>
+        <p:spPr>
+          <a:xfrm>
+            <a:off x="63500" y="5001578"/>
+            <a:ext cx="2032000" cy="186055"/>
+          </a:xfrm>
+          <a:prstGeom prst="rect">
+            <a:avLst/>
+          </a:prstGeom>
+          <a:noFill/>
+        </p:spPr>
+        <p:txBody>
+          <a:bodyPr vert="horz" wrap="square" lIns="0" tIns="0" rIns="0" bIns="0" rtlCol="0" anchor="ctr" anchorCtr="0">
+            <a:noAutofit/>
+          </a:bodyPr>
+          <a:lstStyle/>
+          <a:p>
+            <a:pPr algn="ctr"/>
+            <a:r>
+              <a:rPr lang="en-US" sz="1200" smtClean="0">
+                <a:solidFill>
+                  <a:schemeClr val="lt1"/>
+                </a:solidFill>
+                <a:latin typeface="Calibri" panose="020F0502020204030204" pitchFamily="34" charset="0"/>
+              </a:rPr>
+              <a:t>Test Case Writing</a:t>
+            </a:r>
+            <a:endParaRPr lang="en-US" sz="1200">
+              <a:solidFill>
+                <a:schemeClr val="lt1"/>
+              </a:solidFill>
+              <a:latin typeface="Calibri" panose="020F0502020204030204" pitchFamily="34" charset="0"/>
+            </a:endParaRPr>
+          </a:p>
+        </p:txBody>
+      </p:sp>
+      <p:sp>
+        <p:nvSpPr>
+          <p:cNvPr id="28" name="OTLSHAPE_SL2A_a95ae0a881c047dcac3931e6f7201637_Header" hidden="1"/>
+          <p:cNvSpPr txBox="1"/>
+          <p:nvPr>
+            <p:custDataLst>
+              <p:tags r:id="rId45"/>
+            </p:custDataLst>
+          </p:nvPr>
+        </p:nvSpPr>
+        <p:spPr>
+          <a:xfrm>
+            <a:off x="12700" y="-441267"/>
+            <a:ext cx="0" cy="169277"/>
+          </a:xfrm>
+          <a:prstGeom prst="rect">
+            <a:avLst/>
+          </a:prstGeom>
+          <a:noFill/>
+        </p:spPr>
+        <p:txBody>
+          <a:bodyPr vert="horz" wrap="square" lIns="0" tIns="0" rIns="0" bIns="0" rtlCol="0" anchor="ctr" anchorCtr="0">
+            <a:spAutoFit/>
+          </a:bodyPr>
+          <a:lstStyle/>
+          <a:p>
+            <a:endParaRPr lang="en-US" sz="1100">
+              <a:solidFill>
+                <a:schemeClr val="dk1"/>
+              </a:solidFill>
+              <a:latin typeface="Calibri" panose="020F0502020204030204" pitchFamily="34" charset="0"/>
+            </a:endParaRPr>
+          </a:p>
+        </p:txBody>
+      </p:sp>
+      <p:sp>
+        <p:nvSpPr>
+          <p:cNvPr id="55" name="OTLSHAPE_SL2A_dc076fcdd1be4207b5f93815b38cd91e_Header" hidden="1"/>
+          <p:cNvSpPr txBox="1"/>
+          <p:nvPr>
+            <p:custDataLst>
+              <p:tags r:id="rId46"/>
+            </p:custDataLst>
+          </p:nvPr>
+        </p:nvSpPr>
+        <p:spPr>
+          <a:xfrm>
+            <a:off x="12700" y="-441267"/>
+            <a:ext cx="0" cy="169277"/>
+          </a:xfrm>
+          <a:prstGeom prst="rect">
+            <a:avLst/>
+          </a:prstGeom>
+          <a:noFill/>
+        </p:spPr>
+        <p:txBody>
+          <a:bodyPr vert="horz" wrap="square" lIns="0" tIns="0" rIns="0" bIns="0" rtlCol="0" anchor="ctr" anchorCtr="0">
+            <a:spAutoFit/>
+          </a:bodyPr>
+          <a:lstStyle/>
+          <a:p>
+            <a:endParaRPr lang="en-US" sz="1100">
+              <a:solidFill>
+                <a:schemeClr val="dk1"/>
+              </a:solidFill>
+              <a:latin typeface="Calibri" panose="020F0502020204030204" pitchFamily="34" charset="0"/>
+            </a:endParaRPr>
+          </a:p>
+        </p:txBody>
+      </p:sp>
+      <p:sp>
+        <p:nvSpPr>
+          <p:cNvPr id="116" name="OTLSHAPE_SL_f83814d4db5f4446a686bf6806a7fec9_Header"/>
+          <p:cNvSpPr txBox="1"/>
+          <p:nvPr>
+            <p:custDataLst>
+              <p:tags r:id="rId47"/>
+            </p:custDataLst>
+          </p:nvPr>
+        </p:nvSpPr>
+        <p:spPr>
+          <a:xfrm>
+            <a:off x="63500" y="6011228"/>
+            <a:ext cx="2032000" cy="186055"/>
+          </a:xfrm>
+          <a:prstGeom prst="rect">
+            <a:avLst/>
+          </a:prstGeom>
+          <a:noFill/>
+        </p:spPr>
+        <p:txBody>
+          <a:bodyPr vert="horz" wrap="square" lIns="0" tIns="0" rIns="0" bIns="0" rtlCol="0" anchor="ctr" anchorCtr="0">
+            <a:noAutofit/>
+          </a:bodyPr>
+          <a:lstStyle/>
+          <a:p>
+            <a:pPr algn="ctr"/>
+            <a:r>
+              <a:rPr lang="en-US" sz="1200" smtClean="0">
+                <a:solidFill>
+                  <a:schemeClr val="lt1"/>
+                </a:solidFill>
+                <a:latin typeface="Calibri" panose="020F0502020204030204" pitchFamily="34" charset="0"/>
+              </a:rPr>
+              <a:t>Debugging</a:t>
+            </a:r>
+            <a:endParaRPr lang="en-US" sz="1200">
+              <a:solidFill>
+                <a:schemeClr val="lt1"/>
+              </a:solidFill>
+              <a:latin typeface="Calibri" panose="020F0502020204030204" pitchFamily="34" charset="0"/>
+            </a:endParaRPr>
+          </a:p>
+        </p:txBody>
+      </p:sp>
+      <p:sp>
+        <p:nvSpPr>
+          <p:cNvPr id="130" name="OTLSHAPE_SL2A_2e6cd13b9934453f9569c04e5e65a6eb_Header" hidden="1"/>
+          <p:cNvSpPr txBox="1"/>
+          <p:nvPr>
+            <p:custDataLst>
+              <p:tags r:id="rId48"/>
+            </p:custDataLst>
+          </p:nvPr>
+        </p:nvSpPr>
+        <p:spPr>
+          <a:xfrm>
+            <a:off x="12700" y="-356629"/>
+            <a:ext cx="0" cy="0"/>
+          </a:xfrm>
+          <a:prstGeom prst="rect">
+            <a:avLst/>
+          </a:prstGeom>
+          <a:noFill/>
+        </p:spPr>
+        <p:txBody>
+          <a:bodyPr vert="horz" wrap="square" lIns="0" tIns="0" rIns="0" bIns="0" rtlCol="0" anchor="ctr" anchorCtr="0">
+            <a:spAutoFit/>
+          </a:bodyPr>
+          <a:lstStyle/>
+          <a:p>
+            <a:endParaRPr lang="en-US" sz="1100">
+              <a:solidFill>
+                <a:schemeClr val="dk1"/>
+              </a:solidFill>
+              <a:latin typeface="Calibri" panose="020F0502020204030204" pitchFamily="34" charset="0"/>
+            </a:endParaRPr>
+          </a:p>
+        </p:txBody>
+      </p:sp>
+      <p:sp>
+        <p:nvSpPr>
+          <p:cNvPr id="6" name="OTLSHAPE_TB_00000000000000000000000000000000_TodayMarkerShape"/>
+          <p:cNvSpPr/>
+          <p:nvPr>
+            <p:custDataLst>
+              <p:tags r:id="rId49"/>
+            </p:custDataLst>
+          </p:nvPr>
+        </p:nvSpPr>
+        <p:spPr>
+          <a:xfrm>
+            <a:off x="9611244" y="3429000"/>
+            <a:ext cx="114300" cy="127000"/>
+          </a:xfrm>
+          <a:prstGeom prst="triangle">
+            <a:avLst/>
+          </a:prstGeom>
+          <a:solidFill>
+            <a:srgbClr val="FF0000"/>
+          </a:solidFill>
+          <a:ln w="12700" cap="flat" cmpd="sng" algn="ctr">
+            <a:noFill/>
+            <a:prstDash val="solid"/>
+            <a:miter lim="800000"/>
+          </a:ln>
+          <a:effectLst/>
+          <a:extLst>
+            <a:ext uri="{91240B29-F687-4F45-9708-019B960494DF}">
+              <a14:hiddenLine xmlns:a14="http://schemas.microsoft.com/office/drawing/2010/main" w="12700" cap="flat" cmpd="sng" algn="ctr">
+                <a:solidFill>
+                  <a:schemeClr val="accent1">
+                    <a:shade val="50000"/>
+                  </a:schemeClr>
+                </a:solidFill>
+                <a:prstDash val="solid"/>
+                <a:miter lim="800000"/>
+              </a14:hiddenLine>
+            </a:ext>
+          </a:extLst>
+        </p:spPr>
+        <p:style>
+          <a:lnRef idx="2">
+            <a:schemeClr val="accent1">
+              <a:shade val="50000"/>
+            </a:schemeClr>
+          </a:lnRef>
+          <a:fillRef idx="1">
+            <a:schemeClr val="accent1"/>
+          </a:fillRef>
+          <a:effectRef idx="0">
+            <a:schemeClr val="accent1"/>
+          </a:effectRef>
+          <a:fontRef idx="minor">
+            <a:schemeClr val="lt1"/>
+          </a:fontRef>
+        </p:style>
+        <p:txBody>
+          <a:bodyPr rtlCol="0" anchor="ctr"/>
+          <a:lstStyle/>
+          <a:p>
+            <a:pPr algn="ctr"/>
+            <a:endParaRPr lang="en-US"/>
+          </a:p>
+        </p:txBody>
+      </p:sp>
+      <p:sp>
+        <p:nvSpPr>
+          <p:cNvPr id="7" name="OTLSHAPE_TB_00000000000000000000000000000000_TodayMarkerText"/>
+          <p:cNvSpPr txBox="1"/>
+          <p:nvPr>
+            <p:custDataLst>
+              <p:tags r:id="rId50"/>
+            </p:custDataLst>
+          </p:nvPr>
+        </p:nvSpPr>
+        <p:spPr>
+          <a:xfrm>
+            <a:off x="9485544" y="3556000"/>
+            <a:ext cx="368300" cy="186055"/>
+          </a:xfrm>
+          <a:prstGeom prst="rect">
+            <a:avLst/>
+          </a:prstGeom>
+          <a:noFill/>
+        </p:spPr>
+        <p:txBody>
+          <a:bodyPr vert="horz" wrap="none" lIns="0" tIns="0" rIns="0" bIns="0" rtlCol="0" anchor="ctr" anchorCtr="0">
+            <a:spAutoFit/>
+          </a:bodyPr>
+          <a:lstStyle/>
+          <a:p>
+            <a:pPr algn="ctr"/>
+            <a:r>
+              <a:rPr lang="en-US" sz="1200" spc="-12" smtClean="0">
+                <a:solidFill>
+                  <a:schemeClr val="dk1"/>
+                </a:solidFill>
+                <a:latin typeface="Calibri" panose="020F0502020204030204" pitchFamily="34" charset="0"/>
+              </a:rPr>
+              <a:t>Today</a:t>
+            </a:r>
+            <a:endParaRPr lang="en-US" sz="1200" spc="-12">
+              <a:solidFill>
+                <a:schemeClr val="dk1"/>
+              </a:solidFill>
+              <a:latin typeface="Calibri" panose="020F0502020204030204" pitchFamily="34" charset="0"/>
+            </a:endParaRPr>
+          </a:p>
+        </p:txBody>
+      </p:sp>
+      <p:sp>
+        <p:nvSpPr>
+          <p:cNvPr id="8" name="OTLSHAPE_TB_00000000000000000000000000000000_TimescaleInterval1"/>
+          <p:cNvSpPr txBox="1"/>
+          <p:nvPr>
+            <p:custDataLst>
+              <p:tags r:id="rId51"/>
+            </p:custDataLst>
+          </p:nvPr>
+        </p:nvSpPr>
+        <p:spPr>
+          <a:xfrm>
+            <a:off x="2286000" y="3145473"/>
+            <a:ext cx="348172" cy="186055"/>
+          </a:xfrm>
+          <a:prstGeom prst="rect">
+            <a:avLst/>
+          </a:prstGeom>
+          <a:noFill/>
+        </p:spPr>
+        <p:txBody>
+          <a:bodyPr vert="horz" wrap="none" lIns="0" tIns="0" rIns="0" bIns="0" rtlCol="0" anchor="ctr" anchorCtr="0">
+            <a:noAutofit/>
+          </a:bodyPr>
+          <a:lstStyle/>
+          <a:p>
+            <a:r>
+              <a:rPr lang="en-US" sz="1200" spc="-14" smtClean="0">
+                <a:solidFill>
+                  <a:schemeClr val="lt1"/>
+                </a:solidFill>
+                <a:latin typeface="Calibri" panose="020F0502020204030204" pitchFamily="34" charset="0"/>
+              </a:rPr>
+              <a:t>Day 1</a:t>
+            </a:r>
+            <a:endParaRPr lang="en-US" sz="1200" spc="-14">
+              <a:solidFill>
+                <a:schemeClr val="lt1"/>
+              </a:solidFill>
+              <a:latin typeface="Calibri" panose="020F0502020204030204" pitchFamily="34" charset="0"/>
+            </a:endParaRPr>
+          </a:p>
+        </p:txBody>
+      </p:sp>
+      <p:sp>
+        <p:nvSpPr>
+          <p:cNvPr id="10" name="OTLSHAPE_TB_00000000000000000000000000000000_TimescaleInterval2"/>
+          <p:cNvSpPr txBox="1"/>
+          <p:nvPr>
+            <p:custDataLst>
+              <p:tags r:id="rId52"/>
+            </p:custDataLst>
+          </p:nvPr>
+        </p:nvSpPr>
+        <p:spPr>
+          <a:xfrm>
+            <a:off x="3405993" y="3145473"/>
+            <a:ext cx="75470" cy="186055"/>
+          </a:xfrm>
+          <a:prstGeom prst="rect">
+            <a:avLst/>
+          </a:prstGeom>
+          <a:noFill/>
+        </p:spPr>
+        <p:txBody>
+          <a:bodyPr vert="horz" wrap="none" lIns="0" tIns="0" rIns="0" bIns="0" rtlCol="0" anchor="ctr" anchorCtr="0">
+            <a:noAutofit/>
+          </a:bodyPr>
+          <a:lstStyle/>
+          <a:p>
+            <a:r>
+              <a:rPr lang="en-US" sz="1200" spc="-40" smtClean="0">
+                <a:solidFill>
+                  <a:schemeClr val="lt1"/>
+                </a:solidFill>
+                <a:latin typeface="Calibri" panose="020F0502020204030204" pitchFamily="34" charset="0"/>
+              </a:rPr>
+              <a:t>2</a:t>
+            </a:r>
+            <a:endParaRPr lang="en-US" sz="1200" spc="-40">
+              <a:solidFill>
+                <a:schemeClr val="lt1"/>
+              </a:solidFill>
+              <a:latin typeface="Calibri" panose="020F0502020204030204" pitchFamily="34" charset="0"/>
+            </a:endParaRPr>
+          </a:p>
+        </p:txBody>
+      </p:sp>
+      <p:sp>
+        <p:nvSpPr>
+          <p:cNvPr id="107" name="OTLSHAPE_TB_00000000000000000000000000000000_TimescaleInterval3"/>
+          <p:cNvSpPr txBox="1"/>
+          <p:nvPr>
+            <p:custDataLst>
+              <p:tags r:id="rId53"/>
+            </p:custDataLst>
+          </p:nvPr>
+        </p:nvSpPr>
+        <p:spPr>
+          <a:xfrm>
+            <a:off x="4525987" y="3145473"/>
+            <a:ext cx="75470" cy="186055"/>
+          </a:xfrm>
+          <a:prstGeom prst="rect">
+            <a:avLst/>
+          </a:prstGeom>
+          <a:noFill/>
+        </p:spPr>
+        <p:txBody>
+          <a:bodyPr vert="horz" wrap="none" lIns="0" tIns="0" rIns="0" bIns="0" rtlCol="0" anchor="ctr" anchorCtr="0">
+            <a:noAutofit/>
+          </a:bodyPr>
+          <a:lstStyle/>
+          <a:p>
+            <a:r>
+              <a:rPr lang="en-US" sz="1200" spc="-40" smtClean="0">
+                <a:solidFill>
+                  <a:schemeClr val="lt1"/>
+                </a:solidFill>
+                <a:latin typeface="Calibri" panose="020F0502020204030204" pitchFamily="34" charset="0"/>
+              </a:rPr>
+              <a:t>3</a:t>
+            </a:r>
+            <a:endParaRPr lang="en-US" sz="1200" spc="-40">
+              <a:solidFill>
+                <a:schemeClr val="lt1"/>
+              </a:solidFill>
+              <a:latin typeface="Calibri" panose="020F0502020204030204" pitchFamily="34" charset="0"/>
+            </a:endParaRPr>
+          </a:p>
+        </p:txBody>
+      </p:sp>
+      <p:sp>
+        <p:nvSpPr>
+          <p:cNvPr id="25" name="OTLSHAPE_TB_00000000000000000000000000000000_TimescaleInterval4"/>
+          <p:cNvSpPr txBox="1"/>
+          <p:nvPr>
+            <p:custDataLst>
+              <p:tags r:id="rId54"/>
+            </p:custDataLst>
+          </p:nvPr>
+        </p:nvSpPr>
+        <p:spPr>
+          <a:xfrm>
+            <a:off x="5645980" y="3145473"/>
+            <a:ext cx="75470" cy="186055"/>
+          </a:xfrm>
+          <a:prstGeom prst="rect">
+            <a:avLst/>
+          </a:prstGeom>
+          <a:noFill/>
+        </p:spPr>
+        <p:txBody>
+          <a:bodyPr vert="horz" wrap="none" lIns="0" tIns="0" rIns="0" bIns="0" rtlCol="0" anchor="ctr" anchorCtr="0">
+            <a:noAutofit/>
+          </a:bodyPr>
+          <a:lstStyle/>
+          <a:p>
+            <a:r>
+              <a:rPr lang="en-US" sz="1200" spc="-40" smtClean="0">
+                <a:solidFill>
+                  <a:schemeClr val="lt1"/>
+                </a:solidFill>
+                <a:latin typeface="Calibri" panose="020F0502020204030204" pitchFamily="34" charset="0"/>
+              </a:rPr>
+              <a:t>4</a:t>
+            </a:r>
+            <a:endParaRPr lang="en-US" sz="1200" spc="-40">
+              <a:solidFill>
+                <a:schemeClr val="lt1"/>
+              </a:solidFill>
+              <a:latin typeface="Calibri" panose="020F0502020204030204" pitchFamily="34" charset="0"/>
+            </a:endParaRPr>
+          </a:p>
+        </p:txBody>
+      </p:sp>
+      <p:sp>
+        <p:nvSpPr>
+          <p:cNvPr id="74" name="OTLSHAPE_TB_00000000000000000000000000000000_TimescaleInterval5"/>
+          <p:cNvSpPr txBox="1"/>
+          <p:nvPr>
+            <p:custDataLst>
+              <p:tags r:id="rId55"/>
+            </p:custDataLst>
+          </p:nvPr>
+        </p:nvSpPr>
+        <p:spPr>
+          <a:xfrm>
+            <a:off x="6765974" y="3145473"/>
+            <a:ext cx="75470" cy="186055"/>
+          </a:xfrm>
+          <a:prstGeom prst="rect">
+            <a:avLst/>
+          </a:prstGeom>
+          <a:noFill/>
+        </p:spPr>
+        <p:txBody>
+          <a:bodyPr vert="horz" wrap="none" lIns="0" tIns="0" rIns="0" bIns="0" rtlCol="0" anchor="ctr" anchorCtr="0">
+            <a:noAutofit/>
+          </a:bodyPr>
+          <a:lstStyle/>
+          <a:p>
+            <a:r>
+              <a:rPr lang="en-US" sz="1200" spc="-40" smtClean="0">
+                <a:solidFill>
+                  <a:schemeClr val="lt1"/>
+                </a:solidFill>
+                <a:latin typeface="Calibri" panose="020F0502020204030204" pitchFamily="34" charset="0"/>
+              </a:rPr>
+              <a:t>5</a:t>
+            </a:r>
+            <a:endParaRPr lang="en-US" sz="1200" spc="-40">
+              <a:solidFill>
+                <a:schemeClr val="lt1"/>
+              </a:solidFill>
+              <a:latin typeface="Calibri" panose="020F0502020204030204" pitchFamily="34" charset="0"/>
+            </a:endParaRPr>
+          </a:p>
+        </p:txBody>
+      </p:sp>
+      <p:sp>
+        <p:nvSpPr>
+          <p:cNvPr id="91" name="OTLSHAPE_TB_00000000000000000000000000000000_TimescaleInterval6"/>
+          <p:cNvSpPr txBox="1"/>
+          <p:nvPr>
+            <p:custDataLst>
+              <p:tags r:id="rId56"/>
+            </p:custDataLst>
+          </p:nvPr>
+        </p:nvSpPr>
+        <p:spPr>
+          <a:xfrm>
+            <a:off x="7885967" y="3145473"/>
+            <a:ext cx="75470" cy="186055"/>
+          </a:xfrm>
+          <a:prstGeom prst="rect">
+            <a:avLst/>
+          </a:prstGeom>
+          <a:noFill/>
+        </p:spPr>
+        <p:txBody>
+          <a:bodyPr vert="horz" wrap="none" lIns="0" tIns="0" rIns="0" bIns="0" rtlCol="0" anchor="ctr" anchorCtr="0">
+            <a:noAutofit/>
+          </a:bodyPr>
+          <a:lstStyle/>
+          <a:p>
+            <a:r>
+              <a:rPr lang="en-US" sz="1200" spc="-40" smtClean="0">
+                <a:solidFill>
+                  <a:schemeClr val="lt1"/>
+                </a:solidFill>
+                <a:latin typeface="Calibri" panose="020F0502020204030204" pitchFamily="34" charset="0"/>
+              </a:rPr>
+              <a:t>6</a:t>
+            </a:r>
+            <a:endParaRPr lang="en-US" sz="1200" spc="-40">
+              <a:solidFill>
+                <a:schemeClr val="lt1"/>
+              </a:solidFill>
+              <a:latin typeface="Calibri" panose="020F0502020204030204" pitchFamily="34" charset="0"/>
+            </a:endParaRPr>
+          </a:p>
+        </p:txBody>
+      </p:sp>
+      <p:sp>
+        <p:nvSpPr>
+          <p:cNvPr id="93" name="OTLSHAPE_TB_00000000000000000000000000000000_TimescaleInterval7"/>
+          <p:cNvSpPr txBox="1"/>
+          <p:nvPr>
+            <p:custDataLst>
+              <p:tags r:id="rId57"/>
+            </p:custDataLst>
+          </p:nvPr>
+        </p:nvSpPr>
+        <p:spPr>
+          <a:xfrm>
+            <a:off x="9005960" y="3145473"/>
+            <a:ext cx="75470" cy="186055"/>
+          </a:xfrm>
+          <a:prstGeom prst="rect">
+            <a:avLst/>
+          </a:prstGeom>
+          <a:noFill/>
+        </p:spPr>
+        <p:txBody>
+          <a:bodyPr vert="horz" wrap="none" lIns="0" tIns="0" rIns="0" bIns="0" rtlCol="0" anchor="ctr" anchorCtr="0">
+            <a:noAutofit/>
+          </a:bodyPr>
+          <a:lstStyle/>
+          <a:p>
+            <a:r>
+              <a:rPr lang="en-US" sz="1200" spc="-40" smtClean="0">
+                <a:solidFill>
+                  <a:schemeClr val="lt1"/>
+                </a:solidFill>
+                <a:latin typeface="Calibri" panose="020F0502020204030204" pitchFamily="34" charset="0"/>
+              </a:rPr>
+              <a:t>7</a:t>
+            </a:r>
+            <a:endParaRPr lang="en-US" sz="1200" spc="-40">
+              <a:solidFill>
+                <a:schemeClr val="lt1"/>
+              </a:solidFill>
+              <a:latin typeface="Calibri" panose="020F0502020204030204" pitchFamily="34" charset="0"/>
+            </a:endParaRPr>
+          </a:p>
+        </p:txBody>
+      </p:sp>
+      <p:sp>
+        <p:nvSpPr>
+          <p:cNvPr id="95" name="OTLSHAPE_TB_00000000000000000000000000000000_TimescaleInterval8"/>
+          <p:cNvSpPr txBox="1"/>
+          <p:nvPr>
+            <p:custDataLst>
+              <p:tags r:id="rId58"/>
+            </p:custDataLst>
+          </p:nvPr>
+        </p:nvSpPr>
+        <p:spPr>
+          <a:xfrm>
+            <a:off x="10125954" y="3145473"/>
+            <a:ext cx="75470" cy="186055"/>
+          </a:xfrm>
+          <a:prstGeom prst="rect">
+            <a:avLst/>
+          </a:prstGeom>
+          <a:noFill/>
+        </p:spPr>
+        <p:txBody>
+          <a:bodyPr vert="horz" wrap="none" lIns="0" tIns="0" rIns="0" bIns="0" rtlCol="0" anchor="ctr" anchorCtr="0">
+            <a:noAutofit/>
+          </a:bodyPr>
+          <a:lstStyle/>
+          <a:p>
+            <a:r>
+              <a:rPr lang="en-US" sz="1200" spc="-40" smtClean="0">
+                <a:solidFill>
+                  <a:schemeClr val="lt1"/>
+                </a:solidFill>
+                <a:latin typeface="Calibri" panose="020F0502020204030204" pitchFamily="34" charset="0"/>
+              </a:rPr>
+              <a:t>8</a:t>
+            </a:r>
+            <a:endParaRPr lang="en-US" sz="1200" spc="-40">
+              <a:solidFill>
+                <a:schemeClr val="lt1"/>
+              </a:solidFill>
+              <a:latin typeface="Calibri" panose="020F0502020204030204" pitchFamily="34" charset="0"/>
+            </a:endParaRPr>
+          </a:p>
+        </p:txBody>
+      </p:sp>
+      <p:sp>
+        <p:nvSpPr>
+          <p:cNvPr id="111" name="OTLSHAPE_SLT_0194b4ac80d3465a82f67618660639e7_Duration" hidden="1"/>
+          <p:cNvSpPr txBox="1"/>
+          <p:nvPr>
+            <p:custDataLst>
+              <p:tags r:id="rId59"/>
+            </p:custDataLst>
+          </p:nvPr>
+        </p:nvSpPr>
+        <p:spPr>
+          <a:xfrm>
+            <a:off x="12700" y="-227915"/>
+            <a:ext cx="330200" cy="153888"/>
+          </a:xfrm>
+          <a:prstGeom prst="rect">
+            <a:avLst/>
+          </a:prstGeom>
+          <a:noFill/>
+        </p:spPr>
+        <p:txBody>
+          <a:bodyPr vert="horz" wrap="square" lIns="0" tIns="0" rIns="0" bIns="0" rtlCol="0" anchor="ctr" anchorCtr="0">
+            <a:spAutoFit/>
+          </a:bodyPr>
+          <a:lstStyle/>
+          <a:p>
+            <a:r>
+              <a:rPr lang="en-US" sz="1000" smtClean="0">
+                <a:solidFill>
+                  <a:schemeClr val="accent2"/>
+                </a:solidFill>
+                <a:latin typeface="Calibri" panose="020F0502020204030204" pitchFamily="34" charset="0"/>
+              </a:rPr>
+              <a:t>3 days</a:t>
+            </a:r>
+            <a:endParaRPr lang="en-US" sz="1000">
+              <a:solidFill>
+                <a:schemeClr val="accent2"/>
+              </a:solidFill>
+              <a:latin typeface="Calibri" panose="020F0502020204030204" pitchFamily="34" charset="0"/>
+            </a:endParaRPr>
+          </a:p>
+        </p:txBody>
+      </p:sp>
+      <p:sp>
+        <p:nvSpPr>
+          <p:cNvPr id="112" name="OTLSHAPE_SLT_0194b4ac80d3465a82f67618660639e7_TextPercentage" hidden="1"/>
+          <p:cNvSpPr txBox="1"/>
+          <p:nvPr>
+            <p:custDataLst>
+              <p:tags r:id="rId60"/>
+            </p:custDataLst>
+          </p:nvPr>
+        </p:nvSpPr>
+        <p:spPr>
+          <a:xfrm>
+            <a:off x="12700" y="74255"/>
+            <a:ext cx="0" cy="0"/>
+          </a:xfrm>
+          <a:prstGeom prst="rect">
+            <a:avLst/>
+          </a:prstGeom>
+          <a:noFill/>
+        </p:spPr>
+        <p:txBody>
+          <a:bodyPr vert="horz" wrap="square" lIns="0" tIns="0" rIns="0" bIns="0" rtlCol="0" anchor="ctr" anchorCtr="0">
+            <a:spAutoFit/>
+          </a:bodyPr>
+          <a:lstStyle/>
+          <a:p>
+            <a:endParaRPr lang="en-US" sz="1000">
+              <a:solidFill>
+                <a:schemeClr val="accent2"/>
+              </a:solidFill>
+              <a:latin typeface="Calibri" panose="020F0502020204030204" pitchFamily="34" charset="0"/>
+            </a:endParaRPr>
+          </a:p>
+        </p:txBody>
+      </p:sp>
+      <p:sp>
+        <p:nvSpPr>
+          <p:cNvPr id="113" name="OTLSHAPE_SLT_0194b4ac80d3465a82f67618660639e7_JoinedDate" hidden="1"/>
+          <p:cNvSpPr txBox="1"/>
+          <p:nvPr>
+            <p:custDataLst>
+              <p:tags r:id="rId61"/>
+            </p:custDataLst>
+          </p:nvPr>
+        </p:nvSpPr>
+        <p:spPr>
+          <a:xfrm>
+            <a:off x="12700" y="74255"/>
+            <a:ext cx="0" cy="0"/>
+          </a:xfrm>
+          <a:prstGeom prst="rect">
+            <a:avLst/>
+          </a:prstGeom>
+          <a:noFill/>
+        </p:spPr>
+        <p:txBody>
+          <a:bodyPr vert="horz" wrap="square" lIns="0" tIns="0" rIns="0" bIns="0" rtlCol="0" anchor="ctr" anchorCtr="0">
+            <a:spAutoFit/>
+          </a:bodyPr>
+          <a:lstStyle/>
+          <a:p>
+            <a:pPr algn="ctr"/>
+            <a:endParaRPr lang="en-US" sz="1000">
+              <a:solidFill>
+                <a:schemeClr val="dk2"/>
+              </a:solidFill>
+              <a:latin typeface="Calibri" panose="020F0502020204030204" pitchFamily="34" charset="0"/>
+            </a:endParaRPr>
+          </a:p>
+        </p:txBody>
+      </p:sp>
+      <p:sp>
+        <p:nvSpPr>
+          <p:cNvPr id="118" name="OTLSHAPE_SLT_0194b4ac80d3465a82f67618660639e7_StartDate"/>
+          <p:cNvSpPr txBox="1"/>
+          <p:nvPr>
+            <p:custDataLst>
+              <p:tags r:id="rId62"/>
+            </p:custDataLst>
+          </p:nvPr>
+        </p:nvSpPr>
+        <p:spPr>
+          <a:xfrm>
+            <a:off x="1789684" y="4007443"/>
+            <a:ext cx="393700" cy="155025"/>
+          </a:xfrm>
+          <a:prstGeom prst="rect">
+            <a:avLst/>
+          </a:prstGeom>
+          <a:noFill/>
+        </p:spPr>
+        <p:txBody>
+          <a:bodyPr vert="horz" wrap="square" lIns="0" tIns="0" rIns="0" bIns="0" rtlCol="0" anchor="ctr" anchorCtr="0">
+            <a:spAutoFit/>
+          </a:bodyPr>
+          <a:lstStyle/>
+          <a:p>
+            <a:pPr algn="ctr"/>
+            <a:r>
+              <a:rPr lang="en-US" sz="1000" spc="-8" smtClean="0">
+                <a:solidFill>
+                  <a:schemeClr val="dk2"/>
+                </a:solidFill>
+                <a:latin typeface="Calibri" panose="020F0502020204030204" pitchFamily="34" charset="0"/>
+              </a:rPr>
+              <a:t>May 15</a:t>
+            </a:r>
+            <a:endParaRPr lang="en-US" sz="1000" spc="-8">
+              <a:solidFill>
+                <a:schemeClr val="dk2"/>
+              </a:solidFill>
+              <a:latin typeface="Calibri" panose="020F0502020204030204" pitchFamily="34" charset="0"/>
+            </a:endParaRPr>
+          </a:p>
+        </p:txBody>
+      </p:sp>
+      <p:sp>
+        <p:nvSpPr>
+          <p:cNvPr id="119" name="OTLSHAPE_SLT_0194b4ac80d3465a82f67618660639e7_EndDate"/>
+          <p:cNvSpPr txBox="1"/>
+          <p:nvPr>
+            <p:custDataLst>
+              <p:tags r:id="rId63"/>
+            </p:custDataLst>
+          </p:nvPr>
+        </p:nvSpPr>
+        <p:spPr>
+          <a:xfrm>
+            <a:off x="6752496" y="4007443"/>
+            <a:ext cx="393700" cy="155025"/>
+          </a:xfrm>
+          <a:prstGeom prst="rect">
+            <a:avLst/>
+          </a:prstGeom>
+          <a:noFill/>
+        </p:spPr>
+        <p:txBody>
+          <a:bodyPr vert="horz" wrap="square" lIns="0" tIns="0" rIns="0" bIns="0" rtlCol="0" anchor="ctr" anchorCtr="0">
+            <a:spAutoFit/>
+          </a:bodyPr>
+          <a:lstStyle/>
+          <a:p>
+            <a:pPr algn="ctr"/>
+            <a:r>
+              <a:rPr lang="en-US" sz="1000" spc="-8" smtClean="0">
+                <a:solidFill>
+                  <a:schemeClr val="dk2"/>
+                </a:solidFill>
+                <a:latin typeface="Calibri" panose="020F0502020204030204" pitchFamily="34" charset="0"/>
+              </a:rPr>
+              <a:t>May 18</a:t>
+            </a:r>
+            <a:endParaRPr lang="en-US" sz="1000" spc="-8">
+              <a:solidFill>
+                <a:schemeClr val="dk2"/>
+              </a:solidFill>
+              <a:latin typeface="Calibri" panose="020F0502020204030204" pitchFamily="34" charset="0"/>
+            </a:endParaRPr>
+          </a:p>
+        </p:txBody>
+      </p:sp>
+      <p:sp>
+        <p:nvSpPr>
+          <p:cNvPr id="120" name="OTLSHAPE_SLT_0194b4ac80d3465a82f67618660639e7_Title"/>
+          <p:cNvSpPr txBox="1"/>
+          <p:nvPr>
+            <p:custDataLst>
+              <p:tags r:id="rId64"/>
+            </p:custDataLst>
+          </p:nvPr>
+        </p:nvSpPr>
+        <p:spPr>
+          <a:xfrm>
+            <a:off x="3960406" y="3999696"/>
+            <a:ext cx="1016000" cy="170519"/>
+          </a:xfrm>
+          <a:prstGeom prst="rect">
+            <a:avLst/>
+          </a:prstGeom>
+          <a:noFill/>
+        </p:spPr>
+        <p:txBody>
+          <a:bodyPr vert="horz" wrap="square" lIns="0" tIns="0" rIns="0" bIns="0" rtlCol="0" anchor="ctr" anchorCtr="0">
+            <a:spAutoFit/>
+          </a:bodyPr>
+          <a:lstStyle/>
+          <a:p>
+            <a:pPr algn="ctr"/>
+            <a:r>
+              <a:rPr lang="en-US" sz="1100" b="1" spc="-10" smtClean="0">
+                <a:solidFill>
+                  <a:schemeClr val="dk1"/>
+                </a:solidFill>
+                <a:latin typeface="Calibri" panose="020F0502020204030204" pitchFamily="34" charset="0"/>
+              </a:rPr>
+              <a:t>Registration Page</a:t>
+            </a:r>
+            <a:endParaRPr lang="en-US" sz="1100" b="1" spc="-10">
+              <a:solidFill>
+                <a:schemeClr val="dk1"/>
+              </a:solidFill>
+              <a:latin typeface="Calibri" panose="020F0502020204030204" pitchFamily="34" charset="0"/>
+            </a:endParaRPr>
+          </a:p>
+        </p:txBody>
+      </p:sp>
+      <p:sp>
+        <p:nvSpPr>
+          <p:cNvPr id="160" name="OTLSHAPE_SLT_c2594a68508746189d15fef160fb738d_Duration" hidden="1"/>
+          <p:cNvSpPr txBox="1"/>
+          <p:nvPr>
+            <p:custDataLst>
+              <p:tags r:id="rId65"/>
+            </p:custDataLst>
+          </p:nvPr>
+        </p:nvSpPr>
+        <p:spPr>
+          <a:xfrm>
+            <a:off x="12700" y="-227915"/>
+            <a:ext cx="330200" cy="153888"/>
+          </a:xfrm>
+          <a:prstGeom prst="rect">
+            <a:avLst/>
+          </a:prstGeom>
+          <a:noFill/>
+        </p:spPr>
+        <p:txBody>
+          <a:bodyPr vert="horz" wrap="square" lIns="0" tIns="0" rIns="0" bIns="0" rtlCol="0" anchor="ctr" anchorCtr="0">
+            <a:spAutoFit/>
+          </a:bodyPr>
+          <a:lstStyle/>
+          <a:p>
+            <a:r>
+              <a:rPr lang="en-US" sz="1000" smtClean="0">
+                <a:solidFill>
+                  <a:schemeClr val="accent2"/>
+                </a:solidFill>
+                <a:latin typeface="Calibri" panose="020F0502020204030204" pitchFamily="34" charset="0"/>
+              </a:rPr>
+              <a:t>3 days</a:t>
+            </a:r>
+            <a:endParaRPr lang="en-US" sz="1000">
+              <a:solidFill>
+                <a:schemeClr val="accent2"/>
+              </a:solidFill>
+              <a:latin typeface="Calibri" panose="020F0502020204030204" pitchFamily="34" charset="0"/>
+            </a:endParaRPr>
+          </a:p>
+        </p:txBody>
+      </p:sp>
+      <p:sp>
+        <p:nvSpPr>
+          <p:cNvPr id="161" name="OTLSHAPE_SLT_c2594a68508746189d15fef160fb738d_TextPercentage" hidden="1"/>
+          <p:cNvSpPr txBox="1"/>
+          <p:nvPr>
+            <p:custDataLst>
+              <p:tags r:id="rId66"/>
+            </p:custDataLst>
+          </p:nvPr>
+        </p:nvSpPr>
+        <p:spPr>
+          <a:xfrm>
+            <a:off x="12700" y="74255"/>
+            <a:ext cx="0" cy="0"/>
+          </a:xfrm>
+          <a:prstGeom prst="rect">
+            <a:avLst/>
+          </a:prstGeom>
+          <a:noFill/>
+        </p:spPr>
+        <p:txBody>
+          <a:bodyPr vert="horz" wrap="square" lIns="0" tIns="0" rIns="0" bIns="0" rtlCol="0" anchor="ctr" anchorCtr="0">
+            <a:spAutoFit/>
+          </a:bodyPr>
+          <a:lstStyle/>
+          <a:p>
+            <a:endParaRPr lang="en-US" sz="1000">
+              <a:solidFill>
+                <a:schemeClr val="accent2"/>
+              </a:solidFill>
+              <a:latin typeface="Calibri" panose="020F0502020204030204" pitchFamily="34" charset="0"/>
+            </a:endParaRPr>
+          </a:p>
+        </p:txBody>
+      </p:sp>
+      <p:sp>
+        <p:nvSpPr>
+          <p:cNvPr id="162" name="OTLSHAPE_SLT_c2594a68508746189d15fef160fb738d_JoinedDate" hidden="1"/>
+          <p:cNvSpPr txBox="1"/>
+          <p:nvPr>
+            <p:custDataLst>
+              <p:tags r:id="rId67"/>
+            </p:custDataLst>
+          </p:nvPr>
+        </p:nvSpPr>
+        <p:spPr>
+          <a:xfrm>
+            <a:off x="12700" y="74255"/>
+            <a:ext cx="0" cy="0"/>
+          </a:xfrm>
+          <a:prstGeom prst="rect">
+            <a:avLst/>
+          </a:prstGeom>
+          <a:noFill/>
+        </p:spPr>
+        <p:txBody>
+          <a:bodyPr vert="horz" wrap="square" lIns="0" tIns="0" rIns="0" bIns="0" rtlCol="0" anchor="ctr" anchorCtr="0">
+            <a:spAutoFit/>
+          </a:bodyPr>
+          <a:lstStyle/>
+          <a:p>
+            <a:pPr algn="ctr"/>
+            <a:endParaRPr lang="en-US" sz="1000">
+              <a:solidFill>
+                <a:schemeClr val="dk2"/>
+              </a:solidFill>
+              <a:latin typeface="Calibri" panose="020F0502020204030204" pitchFamily="34" charset="0"/>
+            </a:endParaRPr>
+          </a:p>
+        </p:txBody>
+      </p:sp>
+      <p:sp>
+        <p:nvSpPr>
+          <p:cNvPr id="163" name="OTLSHAPE_SLT_c2594a68508746189d15fef160fb738d_StartDate"/>
+          <p:cNvSpPr txBox="1"/>
+          <p:nvPr>
+            <p:custDataLst>
+              <p:tags r:id="rId68"/>
+            </p:custDataLst>
+          </p:nvPr>
+        </p:nvSpPr>
+        <p:spPr>
+          <a:xfrm>
+            <a:off x="2909677" y="4274143"/>
+            <a:ext cx="393700" cy="155025"/>
+          </a:xfrm>
+          <a:prstGeom prst="rect">
+            <a:avLst/>
+          </a:prstGeom>
+          <a:noFill/>
+        </p:spPr>
+        <p:txBody>
+          <a:bodyPr vert="horz" wrap="square" lIns="0" tIns="0" rIns="0" bIns="0" rtlCol="0" anchor="ctr" anchorCtr="0">
+            <a:spAutoFit/>
+          </a:bodyPr>
+          <a:lstStyle/>
+          <a:p>
+            <a:pPr algn="ctr"/>
+            <a:r>
+              <a:rPr lang="en-US" sz="1000" spc="-8" smtClean="0">
+                <a:solidFill>
+                  <a:schemeClr val="dk2"/>
+                </a:solidFill>
+                <a:latin typeface="Calibri" panose="020F0502020204030204" pitchFamily="34" charset="0"/>
+              </a:rPr>
+              <a:t>May 16</a:t>
+            </a:r>
+            <a:endParaRPr lang="en-US" sz="1000" spc="-8">
+              <a:solidFill>
+                <a:schemeClr val="dk2"/>
+              </a:solidFill>
+              <a:latin typeface="Calibri" panose="020F0502020204030204" pitchFamily="34" charset="0"/>
+            </a:endParaRPr>
+          </a:p>
+        </p:txBody>
+      </p:sp>
+      <p:sp>
+        <p:nvSpPr>
+          <p:cNvPr id="164" name="OTLSHAPE_SLT_c2594a68508746189d15fef160fb738d_EndDate"/>
+          <p:cNvSpPr txBox="1"/>
+          <p:nvPr>
+            <p:custDataLst>
+              <p:tags r:id="rId69"/>
+            </p:custDataLst>
+          </p:nvPr>
+        </p:nvSpPr>
+        <p:spPr>
+          <a:xfrm>
+            <a:off x="6752496" y="4274143"/>
+            <a:ext cx="393700" cy="155025"/>
+          </a:xfrm>
+          <a:prstGeom prst="rect">
+            <a:avLst/>
+          </a:prstGeom>
+          <a:noFill/>
+        </p:spPr>
+        <p:txBody>
+          <a:bodyPr vert="horz" wrap="square" lIns="0" tIns="0" rIns="0" bIns="0" rtlCol="0" anchor="ctr" anchorCtr="0">
+            <a:spAutoFit/>
+          </a:bodyPr>
+          <a:lstStyle/>
+          <a:p>
+            <a:pPr algn="ctr"/>
+            <a:r>
+              <a:rPr lang="en-US" sz="1000" spc="-8" smtClean="0">
+                <a:solidFill>
+                  <a:schemeClr val="dk2"/>
+                </a:solidFill>
+                <a:latin typeface="Calibri" panose="020F0502020204030204" pitchFamily="34" charset="0"/>
+              </a:rPr>
+              <a:t>May 18</a:t>
+            </a:r>
+            <a:endParaRPr lang="en-US" sz="1000" spc="-8">
+              <a:solidFill>
+                <a:schemeClr val="dk2"/>
+              </a:solidFill>
+              <a:latin typeface="Calibri" panose="020F0502020204030204" pitchFamily="34" charset="0"/>
+            </a:endParaRPr>
+          </a:p>
+        </p:txBody>
+      </p:sp>
+      <p:sp>
+        <p:nvSpPr>
+          <p:cNvPr id="165" name="OTLSHAPE_SLT_c2594a68508746189d15fef160fb738d_Title"/>
+          <p:cNvSpPr txBox="1"/>
+          <p:nvPr>
+            <p:custDataLst>
+              <p:tags r:id="rId70"/>
+            </p:custDataLst>
+          </p:nvPr>
+        </p:nvSpPr>
+        <p:spPr>
+          <a:xfrm>
+            <a:off x="4713654" y="4266396"/>
+            <a:ext cx="622300" cy="170519"/>
+          </a:xfrm>
+          <a:prstGeom prst="rect">
+            <a:avLst/>
+          </a:prstGeom>
+          <a:noFill/>
+        </p:spPr>
+        <p:txBody>
+          <a:bodyPr vert="horz" wrap="square" lIns="0" tIns="0" rIns="0" bIns="0" rtlCol="0" anchor="ctr" anchorCtr="0">
+            <a:spAutoFit/>
+          </a:bodyPr>
+          <a:lstStyle/>
+          <a:p>
+            <a:pPr algn="ctr"/>
+            <a:r>
+              <a:rPr lang="en-US" sz="1100" b="1" spc="-8" smtClean="0">
+                <a:solidFill>
+                  <a:schemeClr val="dk1"/>
+                </a:solidFill>
+                <a:latin typeface="Calibri" panose="020F0502020204030204" pitchFamily="34" charset="0"/>
+              </a:rPr>
+              <a:t>Login Page</a:t>
+            </a:r>
+            <a:endParaRPr lang="en-US" sz="1100" b="1" spc="-8">
+              <a:solidFill>
+                <a:schemeClr val="dk1"/>
+              </a:solidFill>
+              <a:latin typeface="Calibri" panose="020F0502020204030204" pitchFamily="34" charset="0"/>
+            </a:endParaRPr>
+          </a:p>
+        </p:txBody>
+      </p:sp>
+      <p:sp>
+        <p:nvSpPr>
+          <p:cNvPr id="168" name="OTLSHAPE_SLT_e14081218d4a44a8abce49e6f1a73747_Duration" hidden="1"/>
+          <p:cNvSpPr txBox="1"/>
+          <p:nvPr>
+            <p:custDataLst>
+              <p:tags r:id="rId71"/>
+            </p:custDataLst>
+          </p:nvPr>
+        </p:nvSpPr>
+        <p:spPr>
+          <a:xfrm>
+            <a:off x="12700" y="-227915"/>
+            <a:ext cx="330200" cy="153888"/>
+          </a:xfrm>
+          <a:prstGeom prst="rect">
+            <a:avLst/>
+          </a:prstGeom>
+          <a:noFill/>
+        </p:spPr>
+        <p:txBody>
+          <a:bodyPr vert="horz" wrap="square" lIns="0" tIns="0" rIns="0" bIns="0" rtlCol="0" anchor="ctr" anchorCtr="0">
+            <a:spAutoFit/>
+          </a:bodyPr>
+          <a:lstStyle/>
+          <a:p>
+            <a:r>
+              <a:rPr lang="en-US" sz="1000" smtClean="0">
+                <a:solidFill>
+                  <a:schemeClr val="accent2"/>
+                </a:solidFill>
+                <a:latin typeface="Calibri" panose="020F0502020204030204" pitchFamily="34" charset="0"/>
+              </a:rPr>
+              <a:t>3 days</a:t>
+            </a:r>
+            <a:endParaRPr lang="en-US" sz="1000">
+              <a:solidFill>
+                <a:schemeClr val="accent2"/>
+              </a:solidFill>
+              <a:latin typeface="Calibri" panose="020F0502020204030204" pitchFamily="34" charset="0"/>
+            </a:endParaRPr>
+          </a:p>
+        </p:txBody>
+      </p:sp>
+      <p:sp>
+        <p:nvSpPr>
+          <p:cNvPr id="169" name="OTLSHAPE_SLT_e14081218d4a44a8abce49e6f1a73747_TextPercentage" hidden="1"/>
+          <p:cNvSpPr txBox="1"/>
+          <p:nvPr>
+            <p:custDataLst>
+              <p:tags r:id="rId72"/>
+            </p:custDataLst>
+          </p:nvPr>
+        </p:nvSpPr>
+        <p:spPr>
+          <a:xfrm>
+            <a:off x="12700" y="74255"/>
+            <a:ext cx="0" cy="0"/>
+          </a:xfrm>
+          <a:prstGeom prst="rect">
+            <a:avLst/>
+          </a:prstGeom>
+          <a:noFill/>
+        </p:spPr>
+        <p:txBody>
+          <a:bodyPr vert="horz" wrap="square" lIns="0" tIns="0" rIns="0" bIns="0" rtlCol="0" anchor="ctr" anchorCtr="0">
+            <a:spAutoFit/>
+          </a:bodyPr>
+          <a:lstStyle/>
+          <a:p>
+            <a:endParaRPr lang="en-US" sz="1000">
+              <a:solidFill>
+                <a:schemeClr val="accent2"/>
+              </a:solidFill>
+              <a:latin typeface="Calibri" panose="020F0502020204030204" pitchFamily="34" charset="0"/>
+            </a:endParaRPr>
+          </a:p>
+        </p:txBody>
+      </p:sp>
+      <p:sp>
+        <p:nvSpPr>
+          <p:cNvPr id="170" name="OTLSHAPE_SLT_e14081218d4a44a8abce49e6f1a73747_JoinedDate" hidden="1"/>
+          <p:cNvSpPr txBox="1"/>
+          <p:nvPr>
+            <p:custDataLst>
+              <p:tags r:id="rId73"/>
+            </p:custDataLst>
+          </p:nvPr>
+        </p:nvSpPr>
+        <p:spPr>
+          <a:xfrm>
+            <a:off x="12700" y="74255"/>
+            <a:ext cx="0" cy="0"/>
+          </a:xfrm>
+          <a:prstGeom prst="rect">
+            <a:avLst/>
+          </a:prstGeom>
+          <a:noFill/>
+        </p:spPr>
+        <p:txBody>
+          <a:bodyPr vert="horz" wrap="square" lIns="0" tIns="0" rIns="0" bIns="0" rtlCol="0" anchor="ctr" anchorCtr="0">
+            <a:spAutoFit/>
+          </a:bodyPr>
+          <a:lstStyle/>
+          <a:p>
+            <a:pPr algn="ctr"/>
+            <a:endParaRPr lang="en-US" sz="1000">
+              <a:solidFill>
+                <a:schemeClr val="dk2"/>
+              </a:solidFill>
+              <a:latin typeface="Calibri" panose="020F0502020204030204" pitchFamily="34" charset="0"/>
+            </a:endParaRPr>
+          </a:p>
+        </p:txBody>
+      </p:sp>
+      <p:sp>
+        <p:nvSpPr>
+          <p:cNvPr id="171" name="OTLSHAPE_SLT_e14081218d4a44a8abce49e6f1a73747_StartDate"/>
+          <p:cNvSpPr txBox="1"/>
+          <p:nvPr>
+            <p:custDataLst>
+              <p:tags r:id="rId74"/>
+            </p:custDataLst>
+          </p:nvPr>
+        </p:nvSpPr>
+        <p:spPr>
+          <a:xfrm>
+            <a:off x="2909677" y="4617043"/>
+            <a:ext cx="393700" cy="155025"/>
+          </a:xfrm>
+          <a:prstGeom prst="rect">
+            <a:avLst/>
+          </a:prstGeom>
+          <a:noFill/>
+        </p:spPr>
+        <p:txBody>
+          <a:bodyPr vert="horz" wrap="square" lIns="0" tIns="0" rIns="0" bIns="0" rtlCol="0" anchor="ctr" anchorCtr="0">
+            <a:spAutoFit/>
+          </a:bodyPr>
+          <a:lstStyle/>
+          <a:p>
+            <a:pPr algn="ctr"/>
+            <a:r>
+              <a:rPr lang="en-US" sz="1000" spc="-8" smtClean="0">
+                <a:solidFill>
+                  <a:schemeClr val="dk2"/>
+                </a:solidFill>
+                <a:latin typeface="Calibri" panose="020F0502020204030204" pitchFamily="34" charset="0"/>
+              </a:rPr>
+              <a:t>May 16</a:t>
+            </a:r>
+            <a:endParaRPr lang="en-US" sz="1000" spc="-8">
+              <a:solidFill>
+                <a:schemeClr val="dk2"/>
+              </a:solidFill>
+              <a:latin typeface="Calibri" panose="020F0502020204030204" pitchFamily="34" charset="0"/>
+            </a:endParaRPr>
+          </a:p>
+        </p:txBody>
+      </p:sp>
+      <p:sp>
+        <p:nvSpPr>
+          <p:cNvPr id="172" name="OTLSHAPE_SLT_e14081218d4a44a8abce49e6f1a73747_EndDate"/>
+          <p:cNvSpPr txBox="1"/>
+          <p:nvPr>
+            <p:custDataLst>
+              <p:tags r:id="rId75"/>
+            </p:custDataLst>
+          </p:nvPr>
+        </p:nvSpPr>
+        <p:spPr>
+          <a:xfrm>
+            <a:off x="6752496" y="4617043"/>
+            <a:ext cx="393700" cy="155025"/>
+          </a:xfrm>
+          <a:prstGeom prst="rect">
+            <a:avLst/>
+          </a:prstGeom>
+          <a:noFill/>
+        </p:spPr>
+        <p:txBody>
+          <a:bodyPr vert="horz" wrap="square" lIns="0" tIns="0" rIns="0" bIns="0" rtlCol="0" anchor="ctr" anchorCtr="0">
+            <a:spAutoFit/>
+          </a:bodyPr>
+          <a:lstStyle/>
+          <a:p>
+            <a:pPr algn="ctr"/>
+            <a:r>
+              <a:rPr lang="en-US" sz="1000" spc="-8" smtClean="0">
+                <a:solidFill>
+                  <a:schemeClr val="dk2"/>
+                </a:solidFill>
+                <a:latin typeface="Calibri" panose="020F0502020204030204" pitchFamily="34" charset="0"/>
+              </a:rPr>
+              <a:t>May 18</a:t>
+            </a:r>
+            <a:endParaRPr lang="en-US" sz="1000" spc="-8">
+              <a:solidFill>
+                <a:schemeClr val="dk2"/>
+              </a:solidFill>
+              <a:latin typeface="Calibri" panose="020F0502020204030204" pitchFamily="34" charset="0"/>
+            </a:endParaRPr>
+          </a:p>
+        </p:txBody>
+      </p:sp>
+      <p:sp>
+        <p:nvSpPr>
+          <p:cNvPr id="173" name="OTLSHAPE_SLT_e14081218d4a44a8abce49e6f1a73747_Title"/>
+          <p:cNvSpPr txBox="1"/>
+          <p:nvPr>
+            <p:custDataLst>
+              <p:tags r:id="rId76"/>
+            </p:custDataLst>
+          </p:nvPr>
+        </p:nvSpPr>
+        <p:spPr>
+          <a:xfrm>
+            <a:off x="4487848" y="4609296"/>
+            <a:ext cx="1079500" cy="170519"/>
+          </a:xfrm>
+          <a:prstGeom prst="rect">
+            <a:avLst/>
+          </a:prstGeom>
+          <a:noFill/>
+        </p:spPr>
+        <p:txBody>
+          <a:bodyPr vert="horz" wrap="square" lIns="0" tIns="0" rIns="0" bIns="0" rtlCol="0" anchor="ctr" anchorCtr="0">
+            <a:spAutoFit/>
+          </a:bodyPr>
+          <a:lstStyle/>
+          <a:p>
+            <a:pPr algn="ctr"/>
+            <a:r>
+              <a:rPr lang="en-US" sz="1100" b="1" spc="-6" smtClean="0">
+                <a:solidFill>
+                  <a:schemeClr val="dk1"/>
+                </a:solidFill>
+                <a:latin typeface="Calibri" panose="020F0502020204030204" pitchFamily="34" charset="0"/>
+              </a:rPr>
+              <a:t>Admin Home Page</a:t>
+            </a:r>
+            <a:endParaRPr lang="en-US" sz="1100" b="1" spc="-6">
+              <a:solidFill>
+                <a:schemeClr val="dk1"/>
+              </a:solidFill>
+              <a:latin typeface="Calibri" panose="020F0502020204030204" pitchFamily="34" charset="0"/>
+            </a:endParaRPr>
+          </a:p>
+        </p:txBody>
+      </p:sp>
+      <p:sp>
+        <p:nvSpPr>
+          <p:cNvPr id="192" name="OTLSHAPE_SLT_0d400a0202b04264b52f11081eef6ea0_Duration" hidden="1"/>
+          <p:cNvSpPr txBox="1"/>
+          <p:nvPr>
+            <p:custDataLst>
+              <p:tags r:id="rId77"/>
+            </p:custDataLst>
+          </p:nvPr>
+        </p:nvSpPr>
+        <p:spPr>
+          <a:xfrm>
+            <a:off x="12700" y="-227915"/>
+            <a:ext cx="330200" cy="153888"/>
+          </a:xfrm>
+          <a:prstGeom prst="rect">
+            <a:avLst/>
+          </a:prstGeom>
+          <a:noFill/>
+        </p:spPr>
+        <p:txBody>
+          <a:bodyPr vert="horz" wrap="square" lIns="0" tIns="0" rIns="0" bIns="0" rtlCol="0" anchor="ctr" anchorCtr="0">
+            <a:spAutoFit/>
+          </a:bodyPr>
+          <a:lstStyle/>
+          <a:p>
+            <a:r>
+              <a:rPr lang="en-US" sz="1000" smtClean="0">
+                <a:solidFill>
+                  <a:schemeClr val="accent2"/>
+                </a:solidFill>
+                <a:latin typeface="Calibri" panose="020F0502020204030204" pitchFamily="34" charset="0"/>
+              </a:rPr>
+              <a:t>3 days</a:t>
+            </a:r>
+            <a:endParaRPr lang="en-US" sz="1000">
+              <a:solidFill>
+                <a:schemeClr val="accent2"/>
+              </a:solidFill>
+              <a:latin typeface="Calibri" panose="020F0502020204030204" pitchFamily="34" charset="0"/>
+            </a:endParaRPr>
+          </a:p>
+        </p:txBody>
+      </p:sp>
+      <p:sp>
+        <p:nvSpPr>
+          <p:cNvPr id="193" name="OTLSHAPE_SLT_0d400a0202b04264b52f11081eef6ea0_TextPercentage" hidden="1"/>
+          <p:cNvSpPr txBox="1"/>
+          <p:nvPr>
+            <p:custDataLst>
+              <p:tags r:id="rId78"/>
+            </p:custDataLst>
+          </p:nvPr>
+        </p:nvSpPr>
+        <p:spPr>
+          <a:xfrm>
+            <a:off x="12700" y="74255"/>
+            <a:ext cx="0" cy="0"/>
+          </a:xfrm>
+          <a:prstGeom prst="rect">
+            <a:avLst/>
+          </a:prstGeom>
+          <a:noFill/>
+        </p:spPr>
+        <p:txBody>
+          <a:bodyPr vert="horz" wrap="square" lIns="0" tIns="0" rIns="0" bIns="0" rtlCol="0" anchor="ctr" anchorCtr="0">
+            <a:spAutoFit/>
+          </a:bodyPr>
+          <a:lstStyle/>
+          <a:p>
+            <a:endParaRPr lang="en-US" sz="1000">
+              <a:solidFill>
+                <a:schemeClr val="accent2"/>
+              </a:solidFill>
+              <a:latin typeface="Calibri" panose="020F0502020204030204" pitchFamily="34" charset="0"/>
+            </a:endParaRPr>
+          </a:p>
+        </p:txBody>
+      </p:sp>
+      <p:sp>
+        <p:nvSpPr>
+          <p:cNvPr id="194" name="OTLSHAPE_SLT_0d400a0202b04264b52f11081eef6ea0_JoinedDate" hidden="1"/>
+          <p:cNvSpPr txBox="1"/>
+          <p:nvPr>
+            <p:custDataLst>
+              <p:tags r:id="rId79"/>
+            </p:custDataLst>
+          </p:nvPr>
+        </p:nvSpPr>
+        <p:spPr>
+          <a:xfrm>
+            <a:off x="12700" y="74255"/>
+            <a:ext cx="0" cy="0"/>
+          </a:xfrm>
+          <a:prstGeom prst="rect">
+            <a:avLst/>
+          </a:prstGeom>
+          <a:noFill/>
+        </p:spPr>
+        <p:txBody>
+          <a:bodyPr vert="horz" wrap="square" lIns="0" tIns="0" rIns="0" bIns="0" rtlCol="0" anchor="ctr" anchorCtr="0">
+            <a:spAutoFit/>
+          </a:bodyPr>
+          <a:lstStyle/>
+          <a:p>
+            <a:pPr algn="ctr"/>
+            <a:endParaRPr lang="en-US" sz="1000">
+              <a:solidFill>
+                <a:schemeClr val="dk2"/>
+              </a:solidFill>
+              <a:latin typeface="Calibri" panose="020F0502020204030204" pitchFamily="34" charset="0"/>
+            </a:endParaRPr>
+          </a:p>
+        </p:txBody>
+      </p:sp>
+      <p:sp>
+        <p:nvSpPr>
+          <p:cNvPr id="195" name="OTLSHAPE_SLT_0d400a0202b04264b52f11081eef6ea0_StartDate"/>
+          <p:cNvSpPr txBox="1"/>
+          <p:nvPr>
+            <p:custDataLst>
+              <p:tags r:id="rId80"/>
+            </p:custDataLst>
+          </p:nvPr>
+        </p:nvSpPr>
+        <p:spPr>
+          <a:xfrm>
+            <a:off x="4029671" y="4883743"/>
+            <a:ext cx="393700" cy="155025"/>
+          </a:xfrm>
+          <a:prstGeom prst="rect">
+            <a:avLst/>
+          </a:prstGeom>
+          <a:noFill/>
+        </p:spPr>
+        <p:txBody>
+          <a:bodyPr vert="horz" wrap="square" lIns="0" tIns="0" rIns="0" bIns="0" rtlCol="0" anchor="ctr" anchorCtr="0">
+            <a:spAutoFit/>
+          </a:bodyPr>
+          <a:lstStyle/>
+          <a:p>
+            <a:pPr algn="ctr"/>
+            <a:r>
+              <a:rPr lang="en-US" sz="1000" spc="-8" smtClean="0">
+                <a:solidFill>
+                  <a:schemeClr val="dk2"/>
+                </a:solidFill>
+                <a:latin typeface="Calibri" panose="020F0502020204030204" pitchFamily="34" charset="0"/>
+              </a:rPr>
+              <a:t>May 17</a:t>
+            </a:r>
+            <a:endParaRPr lang="en-US" sz="1000" spc="-8">
+              <a:solidFill>
+                <a:schemeClr val="dk2"/>
+              </a:solidFill>
+              <a:latin typeface="Calibri" panose="020F0502020204030204" pitchFamily="34" charset="0"/>
+            </a:endParaRPr>
+          </a:p>
+        </p:txBody>
+      </p:sp>
+      <p:sp>
+        <p:nvSpPr>
+          <p:cNvPr id="196" name="OTLSHAPE_SLT_0d400a0202b04264b52f11081eef6ea0_EndDate"/>
+          <p:cNvSpPr txBox="1"/>
+          <p:nvPr>
+            <p:custDataLst>
+              <p:tags r:id="rId81"/>
+            </p:custDataLst>
+          </p:nvPr>
+        </p:nvSpPr>
+        <p:spPr>
+          <a:xfrm>
+            <a:off x="7872489" y="4883743"/>
+            <a:ext cx="393700" cy="155025"/>
+          </a:xfrm>
+          <a:prstGeom prst="rect">
+            <a:avLst/>
+          </a:prstGeom>
+          <a:noFill/>
+        </p:spPr>
+        <p:txBody>
+          <a:bodyPr vert="horz" wrap="square" lIns="0" tIns="0" rIns="0" bIns="0" rtlCol="0" anchor="ctr" anchorCtr="0">
+            <a:spAutoFit/>
+          </a:bodyPr>
+          <a:lstStyle/>
+          <a:p>
+            <a:pPr algn="ctr"/>
+            <a:r>
+              <a:rPr lang="en-US" sz="1000" spc="-8" smtClean="0">
+                <a:solidFill>
+                  <a:schemeClr val="dk2"/>
+                </a:solidFill>
+                <a:latin typeface="Calibri" panose="020F0502020204030204" pitchFamily="34" charset="0"/>
+              </a:rPr>
+              <a:t>May 19</a:t>
+            </a:r>
+            <a:endParaRPr lang="en-US" sz="1000" spc="-8">
+              <a:solidFill>
+                <a:schemeClr val="dk2"/>
+              </a:solidFill>
+              <a:latin typeface="Calibri" panose="020F0502020204030204" pitchFamily="34" charset="0"/>
+            </a:endParaRPr>
+          </a:p>
+        </p:txBody>
+      </p:sp>
+      <p:sp>
+        <p:nvSpPr>
+          <p:cNvPr id="197" name="OTLSHAPE_SLT_0d400a0202b04264b52f11081eef6ea0_Title"/>
+          <p:cNvSpPr txBox="1"/>
+          <p:nvPr>
+            <p:custDataLst>
+              <p:tags r:id="rId82"/>
+            </p:custDataLst>
+          </p:nvPr>
+        </p:nvSpPr>
+        <p:spPr>
+          <a:xfrm>
+            <a:off x="5912705" y="4875996"/>
+            <a:ext cx="469900" cy="170519"/>
+          </a:xfrm>
+          <a:prstGeom prst="rect">
+            <a:avLst/>
+          </a:prstGeom>
+          <a:noFill/>
+        </p:spPr>
+        <p:txBody>
+          <a:bodyPr vert="horz" wrap="square" lIns="0" tIns="0" rIns="0" bIns="0" rtlCol="0" anchor="ctr" anchorCtr="0">
+            <a:spAutoFit/>
+          </a:bodyPr>
+          <a:lstStyle/>
+          <a:p>
+            <a:pPr algn="ctr"/>
+            <a:r>
+              <a:rPr lang="en-US" sz="1100" b="1" spc="-6" smtClean="0">
+                <a:solidFill>
+                  <a:schemeClr val="dk1"/>
+                </a:solidFill>
+                <a:latin typeface="Calibri" panose="020F0502020204030204" pitchFamily="34" charset="0"/>
+              </a:rPr>
+              <a:t>Add Car</a:t>
+            </a:r>
+            <a:endParaRPr lang="en-US" sz="1100" b="1" spc="-6">
+              <a:solidFill>
+                <a:schemeClr val="dk1"/>
+              </a:solidFill>
+              <a:latin typeface="Calibri" panose="020F0502020204030204" pitchFamily="34" charset="0"/>
+            </a:endParaRPr>
+          </a:p>
+        </p:txBody>
+      </p:sp>
+      <p:sp>
+        <p:nvSpPr>
+          <p:cNvPr id="200" name="OTLSHAPE_SLT_1ca13ca5a95c4937b6da3214916b30ba_Duration" hidden="1"/>
+          <p:cNvSpPr txBox="1"/>
+          <p:nvPr>
+            <p:custDataLst>
+              <p:tags r:id="rId83"/>
+            </p:custDataLst>
+          </p:nvPr>
+        </p:nvSpPr>
+        <p:spPr>
+          <a:xfrm>
+            <a:off x="12700" y="-227915"/>
+            <a:ext cx="330200" cy="153888"/>
+          </a:xfrm>
+          <a:prstGeom prst="rect">
+            <a:avLst/>
+          </a:prstGeom>
+          <a:noFill/>
+        </p:spPr>
+        <p:txBody>
+          <a:bodyPr vert="horz" wrap="square" lIns="0" tIns="0" rIns="0" bIns="0" rtlCol="0" anchor="ctr" anchorCtr="0">
+            <a:spAutoFit/>
+          </a:bodyPr>
+          <a:lstStyle/>
+          <a:p>
+            <a:r>
+              <a:rPr lang="en-US" sz="1000" smtClean="0">
+                <a:solidFill>
+                  <a:schemeClr val="accent2"/>
+                </a:solidFill>
+                <a:latin typeface="Calibri" panose="020F0502020204030204" pitchFamily="34" charset="0"/>
+              </a:rPr>
+              <a:t>2 days</a:t>
+            </a:r>
+            <a:endParaRPr lang="en-US" sz="1000">
+              <a:solidFill>
+                <a:schemeClr val="accent2"/>
+              </a:solidFill>
+              <a:latin typeface="Calibri" panose="020F0502020204030204" pitchFamily="34" charset="0"/>
+            </a:endParaRPr>
+          </a:p>
+        </p:txBody>
+      </p:sp>
+      <p:sp>
+        <p:nvSpPr>
+          <p:cNvPr id="201" name="OTLSHAPE_SLT_1ca13ca5a95c4937b6da3214916b30ba_TextPercentage" hidden="1"/>
+          <p:cNvSpPr txBox="1"/>
+          <p:nvPr>
+            <p:custDataLst>
+              <p:tags r:id="rId84"/>
+            </p:custDataLst>
+          </p:nvPr>
+        </p:nvSpPr>
+        <p:spPr>
+          <a:xfrm>
+            <a:off x="12700" y="74255"/>
+            <a:ext cx="0" cy="0"/>
+          </a:xfrm>
+          <a:prstGeom prst="rect">
+            <a:avLst/>
+          </a:prstGeom>
+          <a:noFill/>
+        </p:spPr>
+        <p:txBody>
+          <a:bodyPr vert="horz" wrap="square" lIns="0" tIns="0" rIns="0" bIns="0" rtlCol="0" anchor="ctr" anchorCtr="0">
+            <a:spAutoFit/>
+          </a:bodyPr>
+          <a:lstStyle/>
+          <a:p>
+            <a:endParaRPr lang="en-US" sz="1000">
+              <a:solidFill>
+                <a:schemeClr val="accent2"/>
+              </a:solidFill>
+              <a:latin typeface="Calibri" panose="020F0502020204030204" pitchFamily="34" charset="0"/>
+            </a:endParaRPr>
+          </a:p>
+        </p:txBody>
+      </p:sp>
+      <p:sp>
+        <p:nvSpPr>
+          <p:cNvPr id="202" name="OTLSHAPE_SLT_1ca13ca5a95c4937b6da3214916b30ba_JoinedDate" hidden="1"/>
+          <p:cNvSpPr txBox="1"/>
+          <p:nvPr>
+            <p:custDataLst>
+              <p:tags r:id="rId85"/>
+            </p:custDataLst>
+          </p:nvPr>
+        </p:nvSpPr>
+        <p:spPr>
+          <a:xfrm>
+            <a:off x="12700" y="74255"/>
+            <a:ext cx="0" cy="0"/>
+          </a:xfrm>
+          <a:prstGeom prst="rect">
+            <a:avLst/>
+          </a:prstGeom>
+          <a:noFill/>
+        </p:spPr>
+        <p:txBody>
+          <a:bodyPr vert="horz" wrap="square" lIns="0" tIns="0" rIns="0" bIns="0" rtlCol="0" anchor="ctr" anchorCtr="0">
+            <a:spAutoFit/>
+          </a:bodyPr>
+          <a:lstStyle/>
+          <a:p>
+            <a:pPr algn="ctr"/>
+            <a:endParaRPr lang="en-US" sz="1000">
+              <a:solidFill>
+                <a:schemeClr val="dk2"/>
+              </a:solidFill>
+              <a:latin typeface="Calibri" panose="020F0502020204030204" pitchFamily="34" charset="0"/>
+            </a:endParaRPr>
+          </a:p>
+        </p:txBody>
+      </p:sp>
+      <p:sp>
+        <p:nvSpPr>
+          <p:cNvPr id="203" name="OTLSHAPE_SLT_1ca13ca5a95c4937b6da3214916b30ba_StartDate"/>
+          <p:cNvSpPr txBox="1"/>
+          <p:nvPr>
+            <p:custDataLst>
+              <p:tags r:id="rId86"/>
+            </p:custDataLst>
+          </p:nvPr>
+        </p:nvSpPr>
+        <p:spPr>
+          <a:xfrm>
+            <a:off x="4029671" y="5150443"/>
+            <a:ext cx="393700" cy="155025"/>
+          </a:xfrm>
+          <a:prstGeom prst="rect">
+            <a:avLst/>
+          </a:prstGeom>
+          <a:noFill/>
+        </p:spPr>
+        <p:txBody>
+          <a:bodyPr vert="horz" wrap="square" lIns="0" tIns="0" rIns="0" bIns="0" rtlCol="0" anchor="ctr" anchorCtr="0">
+            <a:spAutoFit/>
+          </a:bodyPr>
+          <a:lstStyle/>
+          <a:p>
+            <a:pPr algn="ctr"/>
+            <a:r>
+              <a:rPr lang="en-US" sz="1000" spc="-8" smtClean="0">
+                <a:solidFill>
+                  <a:schemeClr val="dk2"/>
+                </a:solidFill>
+                <a:latin typeface="Calibri" panose="020F0502020204030204" pitchFamily="34" charset="0"/>
+              </a:rPr>
+              <a:t>May 17</a:t>
+            </a:r>
+            <a:endParaRPr lang="en-US" sz="1000" spc="-8">
+              <a:solidFill>
+                <a:schemeClr val="dk2"/>
+              </a:solidFill>
+              <a:latin typeface="Calibri" panose="020F0502020204030204" pitchFamily="34" charset="0"/>
+            </a:endParaRPr>
+          </a:p>
+        </p:txBody>
+      </p:sp>
+      <p:sp>
+        <p:nvSpPr>
+          <p:cNvPr id="204" name="OTLSHAPE_SLT_1ca13ca5a95c4937b6da3214916b30ba_EndDate"/>
+          <p:cNvSpPr txBox="1"/>
+          <p:nvPr>
+            <p:custDataLst>
+              <p:tags r:id="rId87"/>
+            </p:custDataLst>
+          </p:nvPr>
+        </p:nvSpPr>
+        <p:spPr>
+          <a:xfrm>
+            <a:off x="6752496" y="5150443"/>
+            <a:ext cx="393700" cy="155025"/>
+          </a:xfrm>
+          <a:prstGeom prst="rect">
+            <a:avLst/>
+          </a:prstGeom>
+          <a:noFill/>
+        </p:spPr>
+        <p:txBody>
+          <a:bodyPr vert="horz" wrap="square" lIns="0" tIns="0" rIns="0" bIns="0" rtlCol="0" anchor="ctr" anchorCtr="0">
+            <a:spAutoFit/>
+          </a:bodyPr>
+          <a:lstStyle/>
+          <a:p>
+            <a:pPr algn="ctr"/>
+            <a:r>
+              <a:rPr lang="en-US" sz="1000" spc="-8" smtClean="0">
+                <a:solidFill>
+                  <a:schemeClr val="dk2"/>
+                </a:solidFill>
+                <a:latin typeface="Calibri" panose="020F0502020204030204" pitchFamily="34" charset="0"/>
+              </a:rPr>
+              <a:t>May 18</a:t>
+            </a:r>
+            <a:endParaRPr lang="en-US" sz="1000" spc="-8">
+              <a:solidFill>
+                <a:schemeClr val="dk2"/>
+              </a:solidFill>
+              <a:latin typeface="Calibri" panose="020F0502020204030204" pitchFamily="34" charset="0"/>
+            </a:endParaRPr>
+          </a:p>
+        </p:txBody>
+      </p:sp>
+      <p:sp>
+        <p:nvSpPr>
+          <p:cNvPr id="205" name="OTLSHAPE_SLT_1ca13ca5a95c4937b6da3214916b30ba_Title"/>
+          <p:cNvSpPr txBox="1"/>
+          <p:nvPr>
+            <p:custDataLst>
+              <p:tags r:id="rId88"/>
+            </p:custDataLst>
+          </p:nvPr>
+        </p:nvSpPr>
+        <p:spPr>
+          <a:xfrm>
+            <a:off x="5280466" y="5142696"/>
+            <a:ext cx="609600" cy="170519"/>
+          </a:xfrm>
+          <a:prstGeom prst="rect">
+            <a:avLst/>
+          </a:prstGeom>
+          <a:noFill/>
+        </p:spPr>
+        <p:txBody>
+          <a:bodyPr vert="horz" wrap="square" lIns="0" tIns="0" rIns="0" bIns="0" rtlCol="0" anchor="ctr" anchorCtr="0">
+            <a:spAutoFit/>
+          </a:bodyPr>
+          <a:lstStyle/>
+          <a:p>
+            <a:pPr algn="ctr"/>
+            <a:r>
+              <a:rPr lang="en-US" sz="1100" b="1" spc="-6" smtClean="0">
+                <a:solidFill>
+                  <a:schemeClr val="dk1"/>
+                </a:solidFill>
+                <a:latin typeface="Calibri" panose="020F0502020204030204" pitchFamily="34" charset="0"/>
+              </a:rPr>
+              <a:t>Delete Car</a:t>
+            </a:r>
+            <a:endParaRPr lang="en-US" sz="1100" b="1" spc="-6">
+              <a:solidFill>
+                <a:schemeClr val="dk1"/>
+              </a:solidFill>
+              <a:latin typeface="Calibri" panose="020F0502020204030204" pitchFamily="34" charset="0"/>
+            </a:endParaRPr>
+          </a:p>
+        </p:txBody>
+      </p:sp>
+      <p:sp>
+        <p:nvSpPr>
+          <p:cNvPr id="208" name="OTLSHAPE_SLT_8b38437b96ae47c2a89e2f9a411c8c28_Duration" hidden="1"/>
+          <p:cNvSpPr txBox="1"/>
+          <p:nvPr>
+            <p:custDataLst>
+              <p:tags r:id="rId89"/>
+            </p:custDataLst>
+          </p:nvPr>
+        </p:nvSpPr>
+        <p:spPr>
+          <a:xfrm>
+            <a:off x="12700" y="-233521"/>
+            <a:ext cx="330200" cy="165100"/>
+          </a:xfrm>
+          <a:prstGeom prst="rect">
+            <a:avLst/>
+          </a:prstGeom>
+          <a:noFill/>
+        </p:spPr>
+        <p:txBody>
+          <a:bodyPr vert="horz" wrap="square" lIns="0" tIns="0" rIns="0" bIns="0" rtlCol="0" anchor="ctr" anchorCtr="0">
+            <a:spAutoFit/>
+          </a:bodyPr>
+          <a:lstStyle/>
+          <a:p>
+            <a:r>
+              <a:rPr lang="en-US" sz="1000" smtClean="0">
+                <a:solidFill>
+                  <a:schemeClr val="accent2"/>
+                </a:solidFill>
+                <a:latin typeface="Calibri" panose="020F0502020204030204" pitchFamily="34" charset="0"/>
+              </a:rPr>
+              <a:t>2 days</a:t>
+            </a:r>
+            <a:endParaRPr lang="en-US" sz="1000">
+              <a:solidFill>
+                <a:schemeClr val="accent2"/>
+              </a:solidFill>
+              <a:latin typeface="Calibri" panose="020F0502020204030204" pitchFamily="34" charset="0"/>
+            </a:endParaRPr>
+          </a:p>
+        </p:txBody>
+      </p:sp>
+      <p:sp>
+        <p:nvSpPr>
+          <p:cNvPr id="209" name="OTLSHAPE_SLT_8b38437b96ae47c2a89e2f9a411c8c28_TextPercentage" hidden="1"/>
+          <p:cNvSpPr txBox="1"/>
+          <p:nvPr>
+            <p:custDataLst>
+              <p:tags r:id="rId90"/>
+            </p:custDataLst>
+          </p:nvPr>
+        </p:nvSpPr>
+        <p:spPr>
+          <a:xfrm>
+            <a:off x="12700" y="74255"/>
+            <a:ext cx="0" cy="0"/>
+          </a:xfrm>
+          <a:prstGeom prst="rect">
+            <a:avLst/>
+          </a:prstGeom>
+          <a:noFill/>
+        </p:spPr>
+        <p:txBody>
+          <a:bodyPr vert="horz" wrap="square" lIns="0" tIns="0" rIns="0" bIns="0" rtlCol="0" anchor="ctr" anchorCtr="0">
+            <a:spAutoFit/>
+          </a:bodyPr>
+          <a:lstStyle/>
+          <a:p>
+            <a:endParaRPr lang="en-US" sz="1000">
+              <a:solidFill>
+                <a:schemeClr val="accent2"/>
+              </a:solidFill>
+              <a:latin typeface="Calibri" panose="020F0502020204030204" pitchFamily="34" charset="0"/>
+            </a:endParaRPr>
+          </a:p>
+        </p:txBody>
+      </p:sp>
+      <p:sp>
+        <p:nvSpPr>
+          <p:cNvPr id="210" name="OTLSHAPE_SLT_8b38437b96ae47c2a89e2f9a411c8c28_JoinedDate" hidden="1"/>
+          <p:cNvSpPr txBox="1"/>
+          <p:nvPr>
+            <p:custDataLst>
+              <p:tags r:id="rId91"/>
+            </p:custDataLst>
+          </p:nvPr>
+        </p:nvSpPr>
+        <p:spPr>
+          <a:xfrm>
+            <a:off x="12700" y="74255"/>
+            <a:ext cx="0" cy="0"/>
+          </a:xfrm>
+          <a:prstGeom prst="rect">
+            <a:avLst/>
+          </a:prstGeom>
+          <a:noFill/>
+        </p:spPr>
+        <p:txBody>
+          <a:bodyPr vert="horz" wrap="square" lIns="0" tIns="0" rIns="0" bIns="0" rtlCol="0" anchor="ctr" anchorCtr="0">
+            <a:spAutoFit/>
+          </a:bodyPr>
+          <a:lstStyle/>
+          <a:p>
+            <a:pPr algn="ctr"/>
+            <a:endParaRPr lang="en-US" sz="1000">
+              <a:solidFill>
+                <a:schemeClr val="dk2"/>
+              </a:solidFill>
+              <a:latin typeface="Calibri" panose="020F0502020204030204" pitchFamily="34" charset="0"/>
+            </a:endParaRPr>
+          </a:p>
+        </p:txBody>
+      </p:sp>
+      <p:sp>
+        <p:nvSpPr>
+          <p:cNvPr id="211" name="OTLSHAPE_SLT_8b38437b96ae47c2a89e2f9a411c8c28_StartDate"/>
+          <p:cNvSpPr txBox="1"/>
+          <p:nvPr>
+            <p:custDataLst>
+              <p:tags r:id="rId92"/>
+            </p:custDataLst>
+          </p:nvPr>
+        </p:nvSpPr>
+        <p:spPr>
+          <a:xfrm>
+            <a:off x="5149664" y="5417143"/>
+            <a:ext cx="393700" cy="155025"/>
+          </a:xfrm>
+          <a:prstGeom prst="rect">
+            <a:avLst/>
+          </a:prstGeom>
+          <a:noFill/>
+        </p:spPr>
+        <p:txBody>
+          <a:bodyPr vert="horz" wrap="square" lIns="0" tIns="0" rIns="0" bIns="0" rtlCol="0" anchor="ctr" anchorCtr="0">
+            <a:spAutoFit/>
+          </a:bodyPr>
+          <a:lstStyle/>
+          <a:p>
+            <a:pPr algn="ctr"/>
+            <a:r>
+              <a:rPr lang="en-US" sz="1000" spc="-8" smtClean="0">
+                <a:solidFill>
+                  <a:schemeClr val="dk2"/>
+                </a:solidFill>
+                <a:latin typeface="Calibri" panose="020F0502020204030204" pitchFamily="34" charset="0"/>
+              </a:rPr>
+              <a:t>May 18</a:t>
+            </a:r>
+            <a:endParaRPr lang="en-US" sz="1000" spc="-8">
+              <a:solidFill>
+                <a:schemeClr val="dk2"/>
+              </a:solidFill>
+              <a:latin typeface="Calibri" panose="020F0502020204030204" pitchFamily="34" charset="0"/>
+            </a:endParaRPr>
+          </a:p>
+        </p:txBody>
+      </p:sp>
+      <p:sp>
+        <p:nvSpPr>
+          <p:cNvPr id="212" name="OTLSHAPE_SLT_8b38437b96ae47c2a89e2f9a411c8c28_EndDate"/>
+          <p:cNvSpPr txBox="1"/>
+          <p:nvPr>
+            <p:custDataLst>
+              <p:tags r:id="rId93"/>
+            </p:custDataLst>
+          </p:nvPr>
+        </p:nvSpPr>
+        <p:spPr>
+          <a:xfrm>
+            <a:off x="7872489" y="5417143"/>
+            <a:ext cx="393700" cy="155025"/>
+          </a:xfrm>
+          <a:prstGeom prst="rect">
+            <a:avLst/>
+          </a:prstGeom>
+          <a:noFill/>
+        </p:spPr>
+        <p:txBody>
+          <a:bodyPr vert="horz" wrap="square" lIns="0" tIns="0" rIns="0" bIns="0" rtlCol="0" anchor="ctr" anchorCtr="0">
+            <a:spAutoFit/>
+          </a:bodyPr>
+          <a:lstStyle/>
+          <a:p>
+            <a:pPr algn="ctr"/>
+            <a:r>
+              <a:rPr lang="en-US" sz="1000" spc="-8" smtClean="0">
+                <a:solidFill>
+                  <a:schemeClr val="dk2"/>
+                </a:solidFill>
+                <a:latin typeface="Calibri" panose="020F0502020204030204" pitchFamily="34" charset="0"/>
+              </a:rPr>
+              <a:t>May 19</a:t>
+            </a:r>
+            <a:endParaRPr lang="en-US" sz="1000" spc="-8">
+              <a:solidFill>
+                <a:schemeClr val="dk2"/>
+              </a:solidFill>
+              <a:latin typeface="Calibri" panose="020F0502020204030204" pitchFamily="34" charset="0"/>
+            </a:endParaRPr>
+          </a:p>
+        </p:txBody>
+      </p:sp>
+      <p:sp>
+        <p:nvSpPr>
+          <p:cNvPr id="213" name="OTLSHAPE_SLT_8b38437b96ae47c2a89e2f9a411c8c28_Title"/>
+          <p:cNvSpPr txBox="1"/>
+          <p:nvPr>
+            <p:custDataLst>
+              <p:tags r:id="rId94"/>
+            </p:custDataLst>
+          </p:nvPr>
+        </p:nvSpPr>
+        <p:spPr>
+          <a:xfrm>
+            <a:off x="6377092" y="5409396"/>
+            <a:ext cx="660400" cy="170519"/>
+          </a:xfrm>
+          <a:prstGeom prst="rect">
+            <a:avLst/>
+          </a:prstGeom>
+          <a:noFill/>
+        </p:spPr>
+        <p:txBody>
+          <a:bodyPr vert="horz" wrap="square" lIns="0" tIns="0" rIns="0" bIns="0" rtlCol="0" anchor="ctr" anchorCtr="0">
+            <a:spAutoFit/>
+          </a:bodyPr>
+          <a:lstStyle/>
+          <a:p>
+            <a:pPr algn="ctr"/>
+            <a:r>
+              <a:rPr lang="en-US" sz="1100" b="1" spc="-6" smtClean="0">
+                <a:solidFill>
+                  <a:schemeClr val="dk1"/>
+                </a:solidFill>
+                <a:latin typeface="Calibri" panose="020F0502020204030204" pitchFamily="34" charset="0"/>
+              </a:rPr>
+              <a:t>Update Car</a:t>
+            </a:r>
+            <a:endParaRPr lang="en-US" sz="1100" b="1" spc="-6">
+              <a:solidFill>
+                <a:schemeClr val="dk1"/>
+              </a:solidFill>
+              <a:latin typeface="Calibri" panose="020F0502020204030204" pitchFamily="34" charset="0"/>
+            </a:endParaRPr>
+          </a:p>
+        </p:txBody>
+      </p:sp>
+      <p:sp>
+        <p:nvSpPr>
+          <p:cNvPr id="216" name="OTLSHAPE_SLT_491a5d7cd2c9422f9fa3c6a3b66fa0db_Duration" hidden="1"/>
+          <p:cNvSpPr txBox="1"/>
+          <p:nvPr>
+            <p:custDataLst>
+              <p:tags r:id="rId95"/>
+            </p:custDataLst>
+          </p:nvPr>
+        </p:nvSpPr>
+        <p:spPr>
+          <a:xfrm>
+            <a:off x="12700" y="-227915"/>
+            <a:ext cx="330200" cy="307777"/>
+          </a:xfrm>
+          <a:prstGeom prst="rect">
+            <a:avLst/>
+          </a:prstGeom>
+          <a:noFill/>
+        </p:spPr>
+        <p:txBody>
+          <a:bodyPr vert="horz" wrap="square" lIns="0" tIns="0" rIns="0" bIns="0" rtlCol="0" anchor="ctr" anchorCtr="0">
+            <a:spAutoFit/>
+          </a:bodyPr>
+          <a:lstStyle/>
+          <a:p>
+            <a:r>
+              <a:rPr lang="en-US" sz="1000" smtClean="0">
+                <a:solidFill>
+                  <a:schemeClr val="accent2"/>
+                </a:solidFill>
+                <a:latin typeface="Calibri" panose="020F0502020204030204" pitchFamily="34" charset="0"/>
+              </a:rPr>
+              <a:t>2 days</a:t>
+            </a:r>
+            <a:endParaRPr lang="en-US" sz="1000">
+              <a:solidFill>
+                <a:schemeClr val="accent2"/>
+              </a:solidFill>
+              <a:latin typeface="Calibri" panose="020F0502020204030204" pitchFamily="34" charset="0"/>
+            </a:endParaRPr>
+          </a:p>
+        </p:txBody>
+      </p:sp>
+      <p:sp>
+        <p:nvSpPr>
+          <p:cNvPr id="217" name="OTLSHAPE_SLT_491a5d7cd2c9422f9fa3c6a3b66fa0db_TextPercentage" hidden="1"/>
+          <p:cNvSpPr txBox="1"/>
+          <p:nvPr>
+            <p:custDataLst>
+              <p:tags r:id="rId96"/>
+            </p:custDataLst>
+          </p:nvPr>
+        </p:nvSpPr>
+        <p:spPr>
+          <a:xfrm>
+            <a:off x="12700" y="74255"/>
+            <a:ext cx="0" cy="0"/>
+          </a:xfrm>
+          <a:prstGeom prst="rect">
+            <a:avLst/>
+          </a:prstGeom>
+          <a:noFill/>
+        </p:spPr>
+        <p:txBody>
+          <a:bodyPr vert="horz" wrap="square" lIns="0" tIns="0" rIns="0" bIns="0" rtlCol="0" anchor="ctr" anchorCtr="0">
+            <a:spAutoFit/>
+          </a:bodyPr>
+          <a:lstStyle/>
+          <a:p>
+            <a:endParaRPr lang="en-US" sz="1000">
+              <a:solidFill>
+                <a:schemeClr val="accent2"/>
+              </a:solidFill>
+              <a:latin typeface="Calibri" panose="020F0502020204030204" pitchFamily="34" charset="0"/>
+            </a:endParaRPr>
+          </a:p>
+        </p:txBody>
+      </p:sp>
+      <p:sp>
+        <p:nvSpPr>
+          <p:cNvPr id="218" name="OTLSHAPE_SLT_491a5d7cd2c9422f9fa3c6a3b66fa0db_JoinedDate" hidden="1"/>
+          <p:cNvSpPr txBox="1"/>
+          <p:nvPr>
+            <p:custDataLst>
+              <p:tags r:id="rId97"/>
+            </p:custDataLst>
+          </p:nvPr>
+        </p:nvSpPr>
+        <p:spPr>
+          <a:xfrm>
+            <a:off x="12700" y="74255"/>
+            <a:ext cx="0" cy="0"/>
+          </a:xfrm>
+          <a:prstGeom prst="rect">
+            <a:avLst/>
+          </a:prstGeom>
+          <a:noFill/>
+        </p:spPr>
+        <p:txBody>
+          <a:bodyPr vert="horz" wrap="square" lIns="0" tIns="0" rIns="0" bIns="0" rtlCol="0" anchor="ctr" anchorCtr="0">
+            <a:spAutoFit/>
+          </a:bodyPr>
+          <a:lstStyle/>
+          <a:p>
+            <a:pPr algn="ctr"/>
+            <a:endParaRPr lang="en-US" sz="1000">
+              <a:solidFill>
+                <a:schemeClr val="dk2"/>
+              </a:solidFill>
+              <a:latin typeface="Calibri" panose="020F0502020204030204" pitchFamily="34" charset="0"/>
+            </a:endParaRPr>
+          </a:p>
+        </p:txBody>
+      </p:sp>
+      <p:sp>
+        <p:nvSpPr>
+          <p:cNvPr id="219" name="OTLSHAPE_SLT_491a5d7cd2c9422f9fa3c6a3b66fa0db_StartDate"/>
+          <p:cNvSpPr txBox="1"/>
+          <p:nvPr>
+            <p:custDataLst>
+              <p:tags r:id="rId98"/>
+            </p:custDataLst>
+          </p:nvPr>
+        </p:nvSpPr>
+        <p:spPr>
+          <a:xfrm>
+            <a:off x="6269658" y="5760043"/>
+            <a:ext cx="393700" cy="155025"/>
+          </a:xfrm>
+          <a:prstGeom prst="rect">
+            <a:avLst/>
+          </a:prstGeom>
+          <a:noFill/>
+        </p:spPr>
+        <p:txBody>
+          <a:bodyPr vert="horz" wrap="square" lIns="0" tIns="0" rIns="0" bIns="0" rtlCol="0" anchor="ctr" anchorCtr="0">
+            <a:spAutoFit/>
+          </a:bodyPr>
+          <a:lstStyle/>
+          <a:p>
+            <a:pPr algn="ctr"/>
+            <a:r>
+              <a:rPr lang="en-US" sz="1000" spc="-8" smtClean="0">
+                <a:solidFill>
+                  <a:schemeClr val="dk2"/>
+                </a:solidFill>
+                <a:latin typeface="Calibri" panose="020F0502020204030204" pitchFamily="34" charset="0"/>
+              </a:rPr>
+              <a:t>May 19</a:t>
+            </a:r>
+            <a:endParaRPr lang="en-US" sz="1000" spc="-8">
+              <a:solidFill>
+                <a:schemeClr val="dk2"/>
+              </a:solidFill>
+              <a:latin typeface="Calibri" panose="020F0502020204030204" pitchFamily="34" charset="0"/>
+            </a:endParaRPr>
+          </a:p>
+        </p:txBody>
+      </p:sp>
+      <p:sp>
+        <p:nvSpPr>
+          <p:cNvPr id="220" name="OTLSHAPE_SLT_491a5d7cd2c9422f9fa3c6a3b66fa0db_EndDate"/>
+          <p:cNvSpPr txBox="1"/>
+          <p:nvPr>
+            <p:custDataLst>
+              <p:tags r:id="rId99"/>
+            </p:custDataLst>
+          </p:nvPr>
+        </p:nvSpPr>
+        <p:spPr>
+          <a:xfrm>
+            <a:off x="11232470" y="5760043"/>
+            <a:ext cx="393700" cy="155025"/>
+          </a:xfrm>
+          <a:prstGeom prst="rect">
+            <a:avLst/>
+          </a:prstGeom>
+          <a:noFill/>
+        </p:spPr>
+        <p:txBody>
+          <a:bodyPr vert="horz" wrap="square" lIns="0" tIns="0" rIns="0" bIns="0" rtlCol="0" anchor="ctr" anchorCtr="0">
+            <a:spAutoFit/>
+          </a:bodyPr>
+          <a:lstStyle/>
+          <a:p>
+            <a:pPr algn="ctr"/>
+            <a:r>
+              <a:rPr lang="en-US" sz="1000" spc="-8" smtClean="0">
+                <a:solidFill>
+                  <a:schemeClr val="dk2"/>
+                </a:solidFill>
+                <a:latin typeface="Calibri" panose="020F0502020204030204" pitchFamily="34" charset="0"/>
+              </a:rPr>
+              <a:t>May 22</a:t>
+            </a:r>
+            <a:endParaRPr lang="en-US" sz="1000" spc="-8">
+              <a:solidFill>
+                <a:schemeClr val="dk2"/>
+              </a:solidFill>
+              <a:latin typeface="Calibri" panose="020F0502020204030204" pitchFamily="34" charset="0"/>
+            </a:endParaRPr>
+          </a:p>
+        </p:txBody>
+      </p:sp>
+      <p:sp>
+        <p:nvSpPr>
+          <p:cNvPr id="221" name="OTLSHAPE_SLT_491a5d7cd2c9422f9fa3c6a3b66fa0db_Title"/>
+          <p:cNvSpPr txBox="1"/>
+          <p:nvPr>
+            <p:custDataLst>
+              <p:tags r:id="rId100"/>
+            </p:custDataLst>
+          </p:nvPr>
+        </p:nvSpPr>
+        <p:spPr>
+          <a:xfrm>
+            <a:off x="8465652" y="5752296"/>
+            <a:ext cx="965200" cy="170519"/>
+          </a:xfrm>
+          <a:prstGeom prst="rect">
+            <a:avLst/>
+          </a:prstGeom>
+          <a:noFill/>
+        </p:spPr>
+        <p:txBody>
+          <a:bodyPr vert="horz" wrap="square" lIns="0" tIns="0" rIns="0" bIns="0" rtlCol="0" anchor="ctr" anchorCtr="0">
+            <a:spAutoFit/>
+          </a:bodyPr>
+          <a:lstStyle/>
+          <a:p>
+            <a:pPr algn="ctr"/>
+            <a:r>
+              <a:rPr lang="en-US" sz="1100" b="1" spc="-6" smtClean="0">
+                <a:solidFill>
+                  <a:schemeClr val="dk1"/>
+                </a:solidFill>
+                <a:latin typeface="Calibri" panose="020F0502020204030204" pitchFamily="34" charset="0"/>
+              </a:rPr>
+              <a:t>User Home Page</a:t>
+            </a:r>
+            <a:endParaRPr lang="en-US" sz="1100" b="1" spc="-6">
+              <a:solidFill>
+                <a:schemeClr val="dk1"/>
+              </a:solidFill>
+              <a:latin typeface="Calibri" panose="020F0502020204030204" pitchFamily="34" charset="0"/>
+            </a:endParaRPr>
+          </a:p>
+        </p:txBody>
+      </p:sp>
+      <p:sp>
+        <p:nvSpPr>
+          <p:cNvPr id="224" name="OTLSHAPE_SLT_196e461fa3b94bed8bc56dc99e676deb_Duration" hidden="1"/>
+          <p:cNvSpPr txBox="1"/>
+          <p:nvPr>
+            <p:custDataLst>
+              <p:tags r:id="rId101"/>
+            </p:custDataLst>
+          </p:nvPr>
+        </p:nvSpPr>
+        <p:spPr>
+          <a:xfrm>
+            <a:off x="12700" y="-227915"/>
+            <a:ext cx="330200" cy="153888"/>
+          </a:xfrm>
+          <a:prstGeom prst="rect">
+            <a:avLst/>
+          </a:prstGeom>
+          <a:noFill/>
+        </p:spPr>
+        <p:txBody>
+          <a:bodyPr vert="horz" wrap="square" lIns="0" tIns="0" rIns="0" bIns="0" rtlCol="0" anchor="ctr" anchorCtr="0">
+            <a:spAutoFit/>
+          </a:bodyPr>
+          <a:lstStyle/>
+          <a:p>
+            <a:r>
+              <a:rPr lang="en-US" sz="1000" smtClean="0">
+                <a:solidFill>
+                  <a:schemeClr val="accent2"/>
+                </a:solidFill>
+                <a:latin typeface="Calibri" panose="020F0502020204030204" pitchFamily="34" charset="0"/>
+              </a:rPr>
+              <a:t>2 days</a:t>
+            </a:r>
+            <a:endParaRPr lang="en-US" sz="1000">
+              <a:solidFill>
+                <a:schemeClr val="accent2"/>
+              </a:solidFill>
+              <a:latin typeface="Calibri" panose="020F0502020204030204" pitchFamily="34" charset="0"/>
+            </a:endParaRPr>
+          </a:p>
+        </p:txBody>
+      </p:sp>
+      <p:sp>
+        <p:nvSpPr>
+          <p:cNvPr id="225" name="OTLSHAPE_SLT_196e461fa3b94bed8bc56dc99e676deb_TextPercentage" hidden="1"/>
+          <p:cNvSpPr txBox="1"/>
+          <p:nvPr>
+            <p:custDataLst>
+              <p:tags r:id="rId102"/>
+            </p:custDataLst>
+          </p:nvPr>
+        </p:nvSpPr>
+        <p:spPr>
+          <a:xfrm>
+            <a:off x="12700" y="74255"/>
+            <a:ext cx="0" cy="0"/>
+          </a:xfrm>
+          <a:prstGeom prst="rect">
+            <a:avLst/>
+          </a:prstGeom>
+          <a:noFill/>
+        </p:spPr>
+        <p:txBody>
+          <a:bodyPr vert="horz" wrap="square" lIns="0" tIns="0" rIns="0" bIns="0" rtlCol="0" anchor="ctr" anchorCtr="0">
+            <a:spAutoFit/>
+          </a:bodyPr>
+          <a:lstStyle/>
+          <a:p>
+            <a:endParaRPr lang="en-US" sz="1000">
+              <a:solidFill>
+                <a:schemeClr val="accent2"/>
+              </a:solidFill>
+              <a:latin typeface="Calibri" panose="020F0502020204030204" pitchFamily="34" charset="0"/>
+            </a:endParaRPr>
+          </a:p>
+        </p:txBody>
+      </p:sp>
+      <p:sp>
+        <p:nvSpPr>
+          <p:cNvPr id="226" name="OTLSHAPE_SLT_196e461fa3b94bed8bc56dc99e676deb_JoinedDate" hidden="1"/>
+          <p:cNvSpPr txBox="1"/>
+          <p:nvPr>
+            <p:custDataLst>
+              <p:tags r:id="rId103"/>
+            </p:custDataLst>
+          </p:nvPr>
+        </p:nvSpPr>
+        <p:spPr>
+          <a:xfrm>
+            <a:off x="12700" y="74255"/>
+            <a:ext cx="0" cy="0"/>
+          </a:xfrm>
+          <a:prstGeom prst="rect">
+            <a:avLst/>
+          </a:prstGeom>
+          <a:noFill/>
+        </p:spPr>
+        <p:txBody>
+          <a:bodyPr vert="horz" wrap="square" lIns="0" tIns="0" rIns="0" bIns="0" rtlCol="0" anchor="ctr" anchorCtr="0">
+            <a:spAutoFit/>
+          </a:bodyPr>
+          <a:lstStyle/>
+          <a:p>
+            <a:pPr algn="ctr"/>
+            <a:endParaRPr lang="en-US" sz="1000">
+              <a:solidFill>
+                <a:schemeClr val="dk2"/>
+              </a:solidFill>
+              <a:latin typeface="Calibri" panose="020F0502020204030204" pitchFamily="34" charset="0"/>
+            </a:endParaRPr>
+          </a:p>
+        </p:txBody>
+      </p:sp>
+      <p:sp>
+        <p:nvSpPr>
+          <p:cNvPr id="227" name="OTLSHAPE_SLT_196e461fa3b94bed8bc56dc99e676deb_StartDate"/>
+          <p:cNvSpPr txBox="1"/>
+          <p:nvPr>
+            <p:custDataLst>
+              <p:tags r:id="rId104"/>
+            </p:custDataLst>
+          </p:nvPr>
+        </p:nvSpPr>
+        <p:spPr>
+          <a:xfrm>
+            <a:off x="6269658" y="6293443"/>
+            <a:ext cx="393700" cy="155025"/>
+          </a:xfrm>
+          <a:prstGeom prst="rect">
+            <a:avLst/>
+          </a:prstGeom>
+          <a:noFill/>
+        </p:spPr>
+        <p:txBody>
+          <a:bodyPr vert="horz" wrap="square" lIns="0" tIns="0" rIns="0" bIns="0" rtlCol="0" anchor="ctr" anchorCtr="0">
+            <a:spAutoFit/>
+          </a:bodyPr>
+          <a:lstStyle/>
+          <a:p>
+            <a:pPr algn="ctr"/>
+            <a:r>
+              <a:rPr lang="en-US" sz="1000" spc="-8" smtClean="0">
+                <a:solidFill>
+                  <a:schemeClr val="dk2"/>
+                </a:solidFill>
+                <a:latin typeface="Calibri" panose="020F0502020204030204" pitchFamily="34" charset="0"/>
+              </a:rPr>
+              <a:t>May 19</a:t>
+            </a:r>
+            <a:endParaRPr lang="en-US" sz="1000" spc="-8">
+              <a:solidFill>
+                <a:schemeClr val="dk2"/>
+              </a:solidFill>
+              <a:latin typeface="Calibri" panose="020F0502020204030204" pitchFamily="34" charset="0"/>
+            </a:endParaRPr>
+          </a:p>
+        </p:txBody>
+      </p:sp>
+      <p:sp>
+        <p:nvSpPr>
+          <p:cNvPr id="228" name="OTLSHAPE_SLT_196e461fa3b94bed8bc56dc99e676deb_EndDate"/>
+          <p:cNvSpPr txBox="1"/>
+          <p:nvPr>
+            <p:custDataLst>
+              <p:tags r:id="rId105"/>
+            </p:custDataLst>
+          </p:nvPr>
+        </p:nvSpPr>
+        <p:spPr>
+          <a:xfrm>
+            <a:off x="8992483" y="6293443"/>
+            <a:ext cx="393700" cy="155025"/>
+          </a:xfrm>
+          <a:prstGeom prst="rect">
+            <a:avLst/>
+          </a:prstGeom>
+          <a:noFill/>
+        </p:spPr>
+        <p:txBody>
+          <a:bodyPr vert="horz" wrap="square" lIns="0" tIns="0" rIns="0" bIns="0" rtlCol="0" anchor="ctr" anchorCtr="0">
+            <a:spAutoFit/>
+          </a:bodyPr>
+          <a:lstStyle/>
+          <a:p>
+            <a:pPr algn="ctr"/>
+            <a:r>
+              <a:rPr lang="en-US" sz="1000" spc="-8" smtClean="0">
+                <a:solidFill>
+                  <a:schemeClr val="dk2"/>
+                </a:solidFill>
+                <a:latin typeface="Calibri" panose="020F0502020204030204" pitchFamily="34" charset="0"/>
+              </a:rPr>
+              <a:t>May 20</a:t>
+            </a:r>
+            <a:endParaRPr lang="en-US" sz="1000" spc="-8">
+              <a:solidFill>
+                <a:schemeClr val="dk2"/>
+              </a:solidFill>
+              <a:latin typeface="Calibri" panose="020F0502020204030204" pitchFamily="34" charset="0"/>
+            </a:endParaRPr>
+          </a:p>
+        </p:txBody>
+      </p:sp>
+      <p:sp>
+        <p:nvSpPr>
+          <p:cNvPr id="229" name="OTLSHAPE_SLT_196e461fa3b94bed8bc56dc99e676deb_Title"/>
+          <p:cNvSpPr txBox="1"/>
+          <p:nvPr>
+            <p:custDataLst>
+              <p:tags r:id="rId106"/>
+            </p:custDataLst>
+          </p:nvPr>
+        </p:nvSpPr>
+        <p:spPr>
+          <a:xfrm>
+            <a:off x="7366297" y="6285696"/>
+            <a:ext cx="914400" cy="170519"/>
+          </a:xfrm>
+          <a:prstGeom prst="rect">
+            <a:avLst/>
+          </a:prstGeom>
+          <a:noFill/>
+        </p:spPr>
+        <p:txBody>
+          <a:bodyPr vert="horz" wrap="square" lIns="0" tIns="0" rIns="0" bIns="0" rtlCol="0" anchor="ctr" anchorCtr="0">
+            <a:spAutoFit/>
+          </a:bodyPr>
+          <a:lstStyle/>
+          <a:p>
+            <a:pPr algn="ctr"/>
+            <a:r>
+              <a:rPr lang="en-US" sz="1100" b="1" spc="-6" smtClean="0">
+                <a:solidFill>
+                  <a:schemeClr val="dk1"/>
+                </a:solidFill>
+                <a:latin typeface="Calibri" panose="020F0502020204030204" pitchFamily="34" charset="0"/>
+              </a:rPr>
+              <a:t>Car Reservation</a:t>
+            </a:r>
+            <a:endParaRPr lang="en-US" sz="1100" b="1" spc="-6">
+              <a:solidFill>
+                <a:schemeClr val="dk1"/>
+              </a:solidFill>
+              <a:latin typeface="Calibri" panose="020F0502020204030204" pitchFamily="34" charset="0"/>
+            </a:endParaRPr>
+          </a:p>
+        </p:txBody>
+      </p:sp>
+      <p:sp>
+        <p:nvSpPr>
+          <p:cNvPr id="19" name="OTLSHAPE_SLT_4e7c1896111a4cd8afc2c54654aa982d_Duration" hidden="1"/>
+          <p:cNvSpPr txBox="1"/>
+          <p:nvPr>
+            <p:custDataLst>
+              <p:tags r:id="rId107"/>
+            </p:custDataLst>
+          </p:nvPr>
+        </p:nvSpPr>
+        <p:spPr>
+          <a:xfrm>
+            <a:off x="12700" y="-233521"/>
+            <a:ext cx="330200" cy="165100"/>
+          </a:xfrm>
+          <a:prstGeom prst="rect">
+            <a:avLst/>
+          </a:prstGeom>
+          <a:noFill/>
+        </p:spPr>
+        <p:txBody>
+          <a:bodyPr vert="horz" wrap="square" lIns="0" tIns="0" rIns="0" bIns="0" rtlCol="0" anchor="ctr" anchorCtr="0">
+            <a:spAutoFit/>
+          </a:bodyPr>
+          <a:lstStyle/>
+          <a:p>
+            <a:r>
+              <a:rPr lang="en-US" sz="1000" smtClean="0">
+                <a:solidFill>
+                  <a:schemeClr val="accent2"/>
+                </a:solidFill>
+                <a:latin typeface="Calibri" panose="020F0502020204030204" pitchFamily="34" charset="0"/>
+              </a:rPr>
+              <a:t>2 days</a:t>
+            </a:r>
+            <a:endParaRPr lang="en-US" sz="1000">
+              <a:solidFill>
+                <a:schemeClr val="accent2"/>
+              </a:solidFill>
+              <a:latin typeface="Calibri" panose="020F0502020204030204" pitchFamily="34" charset="0"/>
+            </a:endParaRPr>
+          </a:p>
+        </p:txBody>
+      </p:sp>
+      <p:sp>
+        <p:nvSpPr>
+          <p:cNvPr id="20" name="OTLSHAPE_SLT_4e7c1896111a4cd8afc2c54654aa982d_TextPercentage" hidden="1"/>
+          <p:cNvSpPr txBox="1"/>
+          <p:nvPr>
+            <p:custDataLst>
+              <p:tags r:id="rId108"/>
+            </p:custDataLst>
+          </p:nvPr>
+        </p:nvSpPr>
+        <p:spPr>
+          <a:xfrm>
+            <a:off x="12700" y="74255"/>
+            <a:ext cx="0" cy="0"/>
+          </a:xfrm>
+          <a:prstGeom prst="rect">
+            <a:avLst/>
+          </a:prstGeom>
+          <a:noFill/>
+        </p:spPr>
+        <p:txBody>
+          <a:bodyPr vert="horz" wrap="square" lIns="0" tIns="0" rIns="0" bIns="0" rtlCol="0" anchor="ctr" anchorCtr="0">
+            <a:spAutoFit/>
+          </a:bodyPr>
+          <a:lstStyle/>
+          <a:p>
+            <a:endParaRPr lang="en-US" sz="1000">
+              <a:solidFill>
+                <a:schemeClr val="accent2"/>
+              </a:solidFill>
+              <a:latin typeface="Calibri" panose="020F0502020204030204" pitchFamily="34" charset="0"/>
+            </a:endParaRPr>
+          </a:p>
+        </p:txBody>
+      </p:sp>
+      <p:sp>
+        <p:nvSpPr>
+          <p:cNvPr id="21" name="OTLSHAPE_SLT_4e7c1896111a4cd8afc2c54654aa982d_JoinedDate" hidden="1"/>
+          <p:cNvSpPr txBox="1"/>
+          <p:nvPr>
+            <p:custDataLst>
+              <p:tags r:id="rId109"/>
+            </p:custDataLst>
+          </p:nvPr>
+        </p:nvSpPr>
+        <p:spPr>
+          <a:xfrm>
+            <a:off x="12700" y="74255"/>
+            <a:ext cx="0" cy="0"/>
+          </a:xfrm>
+          <a:prstGeom prst="rect">
+            <a:avLst/>
+          </a:prstGeom>
+          <a:noFill/>
+        </p:spPr>
+        <p:txBody>
+          <a:bodyPr vert="horz" wrap="square" lIns="0" tIns="0" rIns="0" bIns="0" rtlCol="0" anchor="ctr" anchorCtr="0">
+            <a:spAutoFit/>
+          </a:bodyPr>
+          <a:lstStyle/>
+          <a:p>
+            <a:pPr algn="ctr"/>
+            <a:endParaRPr lang="en-US" sz="1000">
+              <a:solidFill>
+                <a:schemeClr val="dk2"/>
+              </a:solidFill>
+              <a:latin typeface="Calibri" panose="020F0502020204030204" pitchFamily="34" charset="0"/>
+            </a:endParaRPr>
+          </a:p>
+        </p:txBody>
+      </p:sp>
+      <p:sp>
+        <p:nvSpPr>
+          <p:cNvPr id="22" name="OTLSHAPE_SLT_4e7c1896111a4cd8afc2c54654aa982d_StartDate"/>
+          <p:cNvSpPr txBox="1"/>
+          <p:nvPr>
+            <p:custDataLst>
+              <p:tags r:id="rId110"/>
+            </p:custDataLst>
+          </p:nvPr>
+        </p:nvSpPr>
+        <p:spPr>
+          <a:xfrm>
+            <a:off x="6269658" y="6026743"/>
+            <a:ext cx="393700" cy="155025"/>
+          </a:xfrm>
+          <a:prstGeom prst="rect">
+            <a:avLst/>
+          </a:prstGeom>
+          <a:noFill/>
+        </p:spPr>
+        <p:txBody>
+          <a:bodyPr vert="horz" wrap="square" lIns="0" tIns="0" rIns="0" bIns="0" rtlCol="0" anchor="ctr" anchorCtr="0">
+            <a:spAutoFit/>
+          </a:bodyPr>
+          <a:lstStyle/>
+          <a:p>
+            <a:pPr algn="ctr"/>
+            <a:r>
+              <a:rPr lang="en-US" sz="1000" spc="-8" smtClean="0">
+                <a:solidFill>
+                  <a:schemeClr val="dk2"/>
+                </a:solidFill>
+                <a:latin typeface="Calibri" panose="020F0502020204030204" pitchFamily="34" charset="0"/>
+              </a:rPr>
+              <a:t>May 19</a:t>
+            </a:r>
+            <a:endParaRPr lang="en-US" sz="1000" spc="-8">
+              <a:solidFill>
+                <a:schemeClr val="dk2"/>
+              </a:solidFill>
+              <a:latin typeface="Calibri" panose="020F0502020204030204" pitchFamily="34" charset="0"/>
+            </a:endParaRPr>
+          </a:p>
+        </p:txBody>
+      </p:sp>
+      <p:sp>
+        <p:nvSpPr>
+          <p:cNvPr id="24" name="OTLSHAPE_SLT_4e7c1896111a4cd8afc2c54654aa982d_EndDate"/>
+          <p:cNvSpPr txBox="1"/>
+          <p:nvPr>
+            <p:custDataLst>
+              <p:tags r:id="rId111"/>
+            </p:custDataLst>
+          </p:nvPr>
+        </p:nvSpPr>
+        <p:spPr>
+          <a:xfrm>
+            <a:off x="8992483" y="6026743"/>
+            <a:ext cx="393700" cy="155025"/>
+          </a:xfrm>
+          <a:prstGeom prst="rect">
+            <a:avLst/>
+          </a:prstGeom>
+          <a:noFill/>
+        </p:spPr>
+        <p:txBody>
+          <a:bodyPr vert="horz" wrap="square" lIns="0" tIns="0" rIns="0" bIns="0" rtlCol="0" anchor="ctr" anchorCtr="0">
+            <a:spAutoFit/>
+          </a:bodyPr>
+          <a:lstStyle/>
+          <a:p>
+            <a:pPr algn="ctr"/>
+            <a:r>
+              <a:rPr lang="en-US" sz="1000" spc="-8" smtClean="0">
+                <a:solidFill>
+                  <a:schemeClr val="dk2"/>
+                </a:solidFill>
+                <a:latin typeface="Calibri" panose="020F0502020204030204" pitchFamily="34" charset="0"/>
+              </a:rPr>
+              <a:t>May 20</a:t>
+            </a:r>
+            <a:endParaRPr lang="en-US" sz="1000" spc="-8">
+              <a:solidFill>
+                <a:schemeClr val="dk2"/>
+              </a:solidFill>
+              <a:latin typeface="Calibri" panose="020F0502020204030204" pitchFamily="34" charset="0"/>
+            </a:endParaRPr>
+          </a:p>
+        </p:txBody>
+      </p:sp>
+      <p:sp>
+        <p:nvSpPr>
+          <p:cNvPr id="30" name="OTLSHAPE_SLT_4e7c1896111a4cd8afc2c54654aa982d_Title"/>
+          <p:cNvSpPr txBox="1"/>
+          <p:nvPr>
+            <p:custDataLst>
+              <p:tags r:id="rId112"/>
+            </p:custDataLst>
+          </p:nvPr>
+        </p:nvSpPr>
+        <p:spPr>
+          <a:xfrm>
+            <a:off x="7364413" y="6018996"/>
+            <a:ext cx="927100" cy="170519"/>
+          </a:xfrm>
+          <a:prstGeom prst="rect">
+            <a:avLst/>
+          </a:prstGeom>
+          <a:noFill/>
+        </p:spPr>
+        <p:txBody>
+          <a:bodyPr vert="horz" wrap="square" lIns="0" tIns="0" rIns="0" bIns="0" rtlCol="0" anchor="ctr" anchorCtr="0">
+            <a:spAutoFit/>
+          </a:bodyPr>
+          <a:lstStyle/>
+          <a:p>
+            <a:pPr algn="ctr"/>
+            <a:r>
+              <a:rPr lang="en-US" sz="1100" b="1" spc="-6" smtClean="0">
+                <a:solidFill>
+                  <a:schemeClr val="dk1"/>
+                </a:solidFill>
+                <a:latin typeface="Calibri" panose="020F0502020204030204" pitchFamily="34" charset="0"/>
+              </a:rPr>
+              <a:t>User Login Page</a:t>
+            </a:r>
+            <a:endParaRPr lang="en-US" sz="1100" b="1" spc="-6">
+              <a:solidFill>
+                <a:schemeClr val="dk1"/>
+              </a:solidFill>
+              <a:latin typeface="Calibri" panose="020F0502020204030204" pitchFamily="34" charset="0"/>
+            </a:endParaRPr>
+          </a:p>
+        </p:txBody>
+      </p:sp>
+      <p:cxnSp>
+        <p:nvCxnSpPr>
+          <p:cNvPr id="9" name="OTLSHAPE_TB_00000000000000000000000000000000_Separator1"/>
+          <p:cNvCxnSpPr/>
+          <p:nvPr>
+            <p:custDataLst>
+              <p:tags r:id="rId113"/>
+            </p:custDataLst>
+          </p:nvPr>
+        </p:nvCxnSpPr>
+        <p:spPr>
+          <a:xfrm>
+            <a:off x="3342480" y="3111500"/>
+            <a:ext cx="0" cy="254000"/>
+          </a:xfrm>
+          <a:prstGeom prst="line">
+            <a:avLst/>
+          </a:prstGeom>
+          <a:ln w="9525" cap="flat" cmpd="sng" algn="ctr">
+            <a:solidFill>
+              <a:schemeClr val="lt1">
+                <a:alpha val="29804"/>
+              </a:schemeClr>
+            </a:solidFill>
+            <a:prstDash val="solid"/>
+            <a:miter lim="800000"/>
+            <a:headEnd type="none" w="med" len="med"/>
+            <a:tailEnd type="none" w="med" len="med"/>
+          </a:ln>
+        </p:spPr>
+        <p:style>
+          <a:lnRef idx="1">
+            <a:schemeClr val="accent1"/>
+          </a:lnRef>
+          <a:fillRef idx="0">
+            <a:schemeClr val="accent1"/>
+          </a:fillRef>
+          <a:effectRef idx="0">
+            <a:schemeClr val="accent1"/>
+          </a:effectRef>
+          <a:fontRef idx="minor">
+            <a:schemeClr val="tx1"/>
+          </a:fontRef>
+        </p:style>
+      </p:cxnSp>
+      <p:cxnSp>
+        <p:nvCxnSpPr>
+          <p:cNvPr id="106" name="OTLSHAPE_TB_00000000000000000000000000000000_Separator2"/>
+          <p:cNvCxnSpPr/>
+          <p:nvPr>
+            <p:custDataLst>
+              <p:tags r:id="rId114"/>
+            </p:custDataLst>
+          </p:nvPr>
+        </p:nvCxnSpPr>
+        <p:spPr>
+          <a:xfrm>
+            <a:off x="4462474" y="3111500"/>
+            <a:ext cx="0" cy="254000"/>
+          </a:xfrm>
+          <a:prstGeom prst="line">
+            <a:avLst/>
+          </a:prstGeom>
+          <a:ln w="9525" cap="flat" cmpd="sng" algn="ctr">
+            <a:solidFill>
+              <a:schemeClr val="lt1">
+                <a:alpha val="29804"/>
+              </a:schemeClr>
+            </a:solidFill>
+            <a:prstDash val="solid"/>
+            <a:miter lim="800000"/>
+            <a:headEnd type="none" w="med" len="med"/>
+            <a:tailEnd type="none" w="med" len="med"/>
+          </a:ln>
+        </p:spPr>
+        <p:style>
+          <a:lnRef idx="1">
+            <a:schemeClr val="accent1"/>
+          </a:lnRef>
+          <a:fillRef idx="0">
+            <a:schemeClr val="accent1"/>
+          </a:fillRef>
+          <a:effectRef idx="0">
+            <a:schemeClr val="accent1"/>
+          </a:effectRef>
+          <a:fontRef idx="minor">
+            <a:schemeClr val="tx1"/>
+          </a:fontRef>
+        </p:style>
+      </p:cxnSp>
+      <p:cxnSp>
+        <p:nvCxnSpPr>
+          <p:cNvPr id="23" name="OTLSHAPE_TB_00000000000000000000000000000000_Separator3"/>
+          <p:cNvCxnSpPr/>
+          <p:nvPr>
+            <p:custDataLst>
+              <p:tags r:id="rId115"/>
+            </p:custDataLst>
+          </p:nvPr>
+        </p:nvCxnSpPr>
+        <p:spPr>
+          <a:xfrm>
+            <a:off x="5582467" y="3111500"/>
+            <a:ext cx="0" cy="254000"/>
+          </a:xfrm>
+          <a:prstGeom prst="line">
+            <a:avLst/>
+          </a:prstGeom>
+          <a:ln w="9525" cap="flat" cmpd="sng" algn="ctr">
+            <a:solidFill>
+              <a:schemeClr val="lt1">
+                <a:alpha val="29804"/>
+              </a:schemeClr>
+            </a:solidFill>
+            <a:prstDash val="solid"/>
+            <a:miter lim="800000"/>
+            <a:headEnd type="none" w="med" len="med"/>
+            <a:tailEnd type="none" w="med" len="med"/>
+          </a:ln>
+        </p:spPr>
+        <p:style>
+          <a:lnRef idx="1">
+            <a:schemeClr val="accent1"/>
+          </a:lnRef>
+          <a:fillRef idx="0">
+            <a:schemeClr val="accent1"/>
+          </a:fillRef>
+          <a:effectRef idx="0">
+            <a:schemeClr val="accent1"/>
+          </a:effectRef>
+          <a:fontRef idx="minor">
+            <a:schemeClr val="tx1"/>
+          </a:fontRef>
+        </p:style>
+      </p:cxnSp>
+      <p:cxnSp>
+        <p:nvCxnSpPr>
+          <p:cNvPr id="73" name="OTLSHAPE_TB_00000000000000000000000000000000_Separator4"/>
+          <p:cNvCxnSpPr/>
+          <p:nvPr>
+            <p:custDataLst>
+              <p:tags r:id="rId116"/>
+            </p:custDataLst>
+          </p:nvPr>
+        </p:nvCxnSpPr>
+        <p:spPr>
+          <a:xfrm>
+            <a:off x="6702461" y="3111500"/>
+            <a:ext cx="0" cy="254000"/>
+          </a:xfrm>
+          <a:prstGeom prst="line">
+            <a:avLst/>
+          </a:prstGeom>
+          <a:ln w="9525" cap="flat" cmpd="sng" algn="ctr">
+            <a:solidFill>
+              <a:schemeClr val="lt1">
+                <a:alpha val="29804"/>
+              </a:schemeClr>
+            </a:solidFill>
+            <a:prstDash val="solid"/>
+            <a:miter lim="800000"/>
+            <a:headEnd type="none" w="med" len="med"/>
+            <a:tailEnd type="none" w="med" len="med"/>
+          </a:ln>
+        </p:spPr>
+        <p:style>
+          <a:lnRef idx="1">
+            <a:schemeClr val="accent1"/>
+          </a:lnRef>
+          <a:fillRef idx="0">
+            <a:schemeClr val="accent1"/>
+          </a:fillRef>
+          <a:effectRef idx="0">
+            <a:schemeClr val="accent1"/>
+          </a:effectRef>
+          <a:fontRef idx="minor">
+            <a:schemeClr val="tx1"/>
+          </a:fontRef>
+        </p:style>
+      </p:cxnSp>
+      <p:cxnSp>
+        <p:nvCxnSpPr>
+          <p:cNvPr id="84" name="OTLSHAPE_TB_00000000000000000000000000000000_Separator5"/>
+          <p:cNvCxnSpPr/>
+          <p:nvPr>
+            <p:custDataLst>
+              <p:tags r:id="rId117"/>
+            </p:custDataLst>
+          </p:nvPr>
+        </p:nvCxnSpPr>
+        <p:spPr>
+          <a:xfrm>
+            <a:off x="7822454" y="3111500"/>
+            <a:ext cx="0" cy="254000"/>
+          </a:xfrm>
+          <a:prstGeom prst="line">
+            <a:avLst/>
+          </a:prstGeom>
+          <a:ln w="9525" cap="flat" cmpd="sng" algn="ctr">
+            <a:solidFill>
+              <a:schemeClr val="lt1">
+                <a:alpha val="29804"/>
+              </a:schemeClr>
+            </a:solidFill>
+            <a:prstDash val="solid"/>
+            <a:miter lim="800000"/>
+            <a:headEnd type="none" w="med" len="med"/>
+            <a:tailEnd type="none" w="med" len="med"/>
+          </a:ln>
+        </p:spPr>
+        <p:style>
+          <a:lnRef idx="1">
+            <a:schemeClr val="accent1"/>
+          </a:lnRef>
+          <a:fillRef idx="0">
+            <a:schemeClr val="accent1"/>
+          </a:fillRef>
+          <a:effectRef idx="0">
+            <a:schemeClr val="accent1"/>
+          </a:effectRef>
+          <a:fontRef idx="minor">
+            <a:schemeClr val="tx1"/>
+          </a:fontRef>
+        </p:style>
+      </p:cxnSp>
+      <p:cxnSp>
+        <p:nvCxnSpPr>
+          <p:cNvPr id="92" name="OTLSHAPE_TB_00000000000000000000000000000000_Separator6"/>
+          <p:cNvCxnSpPr/>
+          <p:nvPr>
+            <p:custDataLst>
+              <p:tags r:id="rId118"/>
+            </p:custDataLst>
+          </p:nvPr>
+        </p:nvCxnSpPr>
+        <p:spPr>
+          <a:xfrm>
+            <a:off x="8942448" y="3111500"/>
+            <a:ext cx="0" cy="254000"/>
+          </a:xfrm>
+          <a:prstGeom prst="line">
+            <a:avLst/>
+          </a:prstGeom>
+          <a:ln w="9525" cap="flat" cmpd="sng" algn="ctr">
+            <a:solidFill>
+              <a:schemeClr val="lt1">
+                <a:alpha val="29804"/>
+              </a:schemeClr>
+            </a:solidFill>
+            <a:prstDash val="solid"/>
+            <a:miter lim="800000"/>
+            <a:headEnd type="none" w="med" len="med"/>
+            <a:tailEnd type="none" w="med" len="med"/>
+          </a:ln>
+        </p:spPr>
+        <p:style>
+          <a:lnRef idx="1">
+            <a:schemeClr val="accent1"/>
+          </a:lnRef>
+          <a:fillRef idx="0">
+            <a:schemeClr val="accent1"/>
+          </a:fillRef>
+          <a:effectRef idx="0">
+            <a:schemeClr val="accent1"/>
+          </a:effectRef>
+          <a:fontRef idx="minor">
+            <a:schemeClr val="tx1"/>
+          </a:fontRef>
+        </p:style>
+      </p:cxnSp>
+      <p:cxnSp>
+        <p:nvCxnSpPr>
+          <p:cNvPr id="94" name="OTLSHAPE_TB_00000000000000000000000000000000_Separator7"/>
+          <p:cNvCxnSpPr/>
+          <p:nvPr>
+            <p:custDataLst>
+              <p:tags r:id="rId119"/>
+            </p:custDataLst>
+          </p:nvPr>
+        </p:nvCxnSpPr>
+        <p:spPr>
+          <a:xfrm>
+            <a:off x="10062441" y="3111500"/>
+            <a:ext cx="0" cy="254000"/>
+          </a:xfrm>
+          <a:prstGeom prst="line">
+            <a:avLst/>
+          </a:prstGeom>
+          <a:ln w="9525" cap="flat" cmpd="sng" algn="ctr">
+            <a:solidFill>
+              <a:schemeClr val="lt1">
+                <a:alpha val="29804"/>
+              </a:schemeClr>
+            </a:solidFill>
+            <a:prstDash val="solid"/>
+            <a:miter lim="800000"/>
+            <a:headEnd type="none" w="med" len="med"/>
+            <a:tailEnd type="none" w="med" len="med"/>
+          </a:ln>
+        </p:spPr>
+        <p:style>
+          <a:lnRef idx="1">
+            <a:schemeClr val="accent1"/>
+          </a:lnRef>
+          <a:fillRef idx="0">
+            <a:schemeClr val="accent1"/>
+          </a:fillRef>
+          <a:effectRef idx="0">
+            <a:schemeClr val="accent1"/>
+          </a:effectRef>
+          <a:fontRef idx="minor">
+            <a:schemeClr val="tx1"/>
+          </a:fontRef>
+        </p:style>
+      </p:cxnSp>
+    </p:spTree>
+    <p:custDataLst>
+      <p:tags r:id="rId1"/>
+    </p:custDataLst>
+    <p:extLst>
+      <p:ext uri="{BB962C8B-B14F-4D97-AF65-F5344CB8AC3E}">
+        <p14:creationId xmlns:p14="http://schemas.microsoft.com/office/powerpoint/2010/main" val="2381156885"/>
+      </p:ext>
+    </p:extLst>
+  </p:cSld>
+  <p:clrMapOvr>
+    <a:masterClrMapping/>
+  </p:clrMapOvr>
+  <p:timing>
+    <p:tnLst>
+      <p:par>
+        <p:cTn id="1" dur="indefinite" restart="never" nodeType="tmRoot"/>
+      </p:par>
+    </p:tnLst>
+  </p:timing>
+</p:sld>
+</file>
+
 <file path=ppt/tags/tag1.xml><?xml version="1.0" encoding="utf-8"?>
 <p:tagLst xmlns:a="http://schemas.openxmlformats.org/drawingml/2006/main" xmlns:r="http://schemas.openxmlformats.org/officeDocument/2006/relationships" xmlns:p="http://schemas.openxmlformats.org/presentationml/2006/main">
   <p:tag name="__PART_0" val="eyIkaWQiOiIxIiwiX3N3aW1sYW5lc1YyIjpbeyIkaWQiOiIyIiwiX2FjdGl2aXRpZXMiOlt7IiRpZCI6IjMiLCJfcm93cyI6W3siJGlkIjoiNCIsIl90YXNrcyI6W3siJGlkIjoiNSIsIl9hdHRhY2hlZE1pbGVzdG9uZXMiOltdLCJUYXNrRGVmaW5pdGlvbiI6eyIkaWQiOiI2IiwiR3JvdXBOYW1lIjpudWxsLCJTdGFydERhdGUiOiIyMDIyLTA0LTA5VDAwOjAwOjAwIiwiRW5kRGF0ZSI6IjIwMjItMDQtMTVUMjM6NTk6MDAiLCJQZXJjZW50YWdlQ29tcGxldGUiOm51bGwsIlN0eWxlIjp7IiRpZCI6IjciLCJTaGFwZSI6MiwiU2hhcGVUaGlja25lc3MiOjEsIkR1cmF0aW9uRm9ybWF0IjowLCJJbmNsdWRlTm9uV29ya2luZ0RheXNJbkR1cmF0aW9uIjpmYWxzZSwiUGVyY2VudGFnZUNvbXBsZXRlU3R5bGUiOnsiJGlkIjoiOCIsIkZvbnRTZXR0aW5ncyI6eyIkaWQiOiI5IiwiRm9udFNpemUiOjEwLCJGb250TmFtZSI6IkNhbGlicmkiLCJJc0JvbGQiOmZhbHNlLCJJc0l0YWxpYyI6ZmFsc2UsIklzVW5kZXJsaW5lZCI6ZmFsc2UsIlBhcmVudFN0eWxlIjpudWxsfSwiQXV0b1NpemUiOjAsIkZvcmVncm91bmQiOnsiJGlkIjoiMTAiLCJDb2xvciI6eyIkaWQiOiIxMSIsIkEiOjI1NSwiUiI6MjM3LCJHIjoxMjUsIkIiOjQ5fX0sIk1heFdpZHRoIjoyMDAuMCwiTWF4SGVpZ2h0IjoiSW5maW5pdHkiLCJTbWFydEZvcmVncm91bmRJc0FjdGl2ZSI6ZmFsc2UsIkhvcml6b250YWxBbGlnbm1lbnQiOjAsIlZlcnRpY2FsQWxpZ25tZW50IjowLCJTbWFydEZvcmVncm91bmQiOm51bGwsIkJhY2tncm91bmRGaWxsVHlwZSI6MCwiTWFyZ2luIjp7IiRpZCI6IjEyIiwiVG9wIjowLjAsIkxlZnQiOjAuMCwiUmlnaHQiOjAuMCwiQm90dG9tIjowLjB9LCJQYWRkaW5nIjp7IiRpZCI6IjEzIiwiVG9wIjowLjAsIkxlZnQiOjAuMCwiUmlnaHQiOjAuMCwiQm90dG9tIjowLjB9LCJCYWNrZ3JvdW5kIjp7IiRpZCI6IjE0IiwiQ29sb3IiOnsiJGlkIjoiMTUiLCJBIjo4OSwiUiI6MCwiRyI6MCwiQiI6MH19LCJJc1Zpc2libGUiOnRydWUsIldpZHRoIjowLjAsIkhlaWdodCI6MC4wLCJCb3JkZXJTdHlsZSI6eyIkaWQiOiIxNiIsIkxpbmVDb2xvciI6bnVsbCwiTGluZVdlaWdodCI6MC4wLCJMaW5lVHlwZSI6MCwiUGFyZW50U3R5bGUiOm51bGx9LCJQYXJlbnRTdHlsZSI6bnVsbH0sIkR1cmF0aW9uU3R5bGUiOnsiJGlkIjoiMTciLCJGb250U2V0dGluZ3MiOnsiJGlkIjoiMTgiLCJGb250U2l6ZSI6MTAsIkZvbnROYW1lIjoiQ2FsaWJyaSIsIklzQm9sZCI6ZmFsc2UsIklzSXRhbGljIjpmYWxzZSwiSXNVbmRlcmxpbmVkIjpmYWxzZSwiUGFyZW50U3R5bGUiOm51bGx9LCJBdXRvU2l6ZSI6MCwiRm9yZWdyb3VuZCI6eyIkaWQiOiIxOSIsIkNvbG9yIjp7IiRpZCI6IjIwIiwiQSI6MjU1LCJSIjoyMzcsIkciOjEyNSwiQiI6NDl9fSwiTWF4V2lkdGgiOjIwMC4wLCJNYXhIZWlnaHQiOiJJbmZpbml0eSIsIlNtYXJ0Rm9yZWdyb3VuZElzQWN0aXZlIjpmYWxzZSwiSG9yaXpvbnRhbEFsaWdubWVudCI6MCwiVmVydGljYWxBbGlnbm1lbnQiOjAsIlNtYXJ0Rm9yZWdyb3VuZCI6bnVsbCwiQmFja2dyb3VuZEZpbGxUeXBlIjowLCJNYXJnaW4iOnsiJGlkIjoiMjEiLCJUb3AiOjAuMCwiTGVmdCI6MC4wLCJSaWdodCI6MC4wLCJCb3R0b20iOjAuMH0sIlBhZGRpbmciOnsiJGlkIjoiMjIiLCJUb3AiOjAuMCwiTGVmdCI6MC4wLCJSaWdodCI6MC4wLCJCb3R0b20iOjAuMH0sIkJhY2tncm91bmQiOnsiJGlkIjoiMjMiLCJDb2xvciI6eyIkcmVmIjoiMTUifX0sIklzVmlzaWJsZSI6dHJ1ZSwiV2lkdGgiOjAuMCwiSGVpZ2h0IjowLjAsIkJvcmRlclN0eWxlIjp7IiRpZCI6IjI0IiwiTGluZUNvbG9yIjpudWxsLCJMaW5lV2VpZ2h0IjowLjAsIkxpbmVUeXBlIjowLCJQYXJlbnRTdHlsZSI6bnVsbH0sIlBhcmVudFN0eWxlIjpudWxsfSwiSG9yaXpvbnRhbENvbm5lY3RvclN0eWxlIjp7IiRpZCI6IjI1IiwiTGluZUNvbG9yIjp7IiRpZCI6IjI2IiwiJHR5cGUiOiJOTFJFLkNvbW1vbi5Eb20uU29saWRDb2xvckJydXNoLCBOTFJFLkNvbW1vbiIsIkNvbG9yIjp7IiRpZCI6IjI3IiwiQSI6MjU1LCJSIjoyMDQsIkciOjIwNCwiQiI6MjA0fX0sIkxpbmVXZWlnaHQiOjEuMCwiTGluZVR5cGUiOjAsIlBhcmVudFN0eWxlIjpudWxsfSwiVmVydGljYWxDb25uZWN0b3JTdHlsZSI6eyIkaWQiOiIyOCIsIkxpbmVDb2xvciI6eyIkaWQiOiIyOSIsIiR0eXBlIjoiTkxSRS5Db21tb24uRG9tLlNvbGlkQ29sb3JCcnVzaCwgTkxSRS5Db21tb24iLCJDb2xvciI6eyIkaWQiOiIzMCIsIkEiOjI1NSwiUiI6MjA0LCJHIjoyMDQsIkIiOjIwNH19LCJMaW5lV2VpZ2h0IjowLjAsIkxpbmVUeXBlIjowLCJQYXJlbnRTdHlsZSI6bnVsbH0sIk1hcmdpbiI6bnVsbCwiU3RhcnREYXRlUG9zaXRpb24iOjMsIkVuZERhdGVQb3NpdGlvbiI6NCwiRGF0ZUlzVmlzaWJsZSI6dHJ1ZSwiVGl0bGVQb3NpdGlvbiI6MCwiRHVyYXRpb25Qb3NpdGlvbiI6NiwiUGVyY2VudGFnZUNvbXBsZXRlZFBvc2l0aW9uIjo2LCJTcGFjaW5nIjo1LCJJc0JlbG93VGltZWJhbmQiOnRydWUsIlBlcmNlbnRhZ2VDb21wbGV0ZVNoYXBlT3BhY2l0eSI6MzUsIlNoYXBlU3R5bGUiOnsiJGlkIjoiMzEiLCJNYXJnaW4iOnsiJGlkIjoiMzIiLCJUb3AiOjAuMCwiTGVmdCI6NC4wLCJSaWdodCI6NC4wLCJCb3R0b20iOjAuMH0sIlBhZGRpbmciOnsiJGlkIjoiMzMiLCJUb3AiOjAuMCwiTGVmdCI6MC4wLCJSaWdodCI6MC4wLCJCb3R0b20iOjAuMH0sIkJhY2tncm91bmQiOnsiJGlkIjoiMzQiLCJDb2xvciI6eyIkaWQiOiIzNSIsIkEiOjI1NSwiUiI6OTEsIkciOjE1NSwiQiI6MjEzfX0sIklzVmlzaWJsZSI6dHJ1ZSwiV2lkdGgiOjAuMCwiSGVpZ2h0IjoxNi4wLCJCb3JkZXJTdHlsZSI6eyIkaWQiOiIzNiIsIkxpbmVDb2xvciI6eyIkaWQiOiIzNyIsIiR0eXBlIjoiTkxSRS5Db21tb24uRG9tLlNvbGlkQ29sb3JCcnVzaCwgTkxSRS5Db21tb24iLCJDb2xvciI6eyIkaWQiOiIzOCIsIkEiOjI1NSwiUiI6MjU1LCJHIjowLCJCIjowfX0sIkxpbmVXZWlnaHQiOjAuMCwiTGluZVR5cGUiOjAsIlBhcmVudFN0eWxlIjpudWxsfSwiUGFyZW50U3R5bGUiOm51bGx9LCJUaXRsZVN0eWxlIjp7IiRpZCI6IjM5IiwiRm9udFNldHRpbmdzIjp7IiRpZCI6IjQwIiwiRm9udFNpemUiOjExLCJGb250TmFtZSI6IkNhbGlicmkiLCJJc0JvbGQiOnRydWUsIklzSXRhbGljIjpmYWxzZSwiSXNVbmRlcmxpbmVkIjpmYWxzZSwiUGFyZW50U3R5bGUiOm51bGx9LCJBdXRvU2l6ZSI6MCwiRm9yZWdyb3VuZCI6eyIkaWQiOiI0MSIsIkNvbG9yIjp7IiRpZCI6IjQyIiwiQSI6MjU1LCJSIjowLCJHIjowLCJCIjowfX0sIk1heFdpZHRoIjo3MjAuMCwiTWF4SGVpZ2h0IjoiSW5maW5pdHkiLCJTbWFydEZvcmVncm91bmRJc0FjdGl2ZSI6ZmFsc2UsIkhvcml6b250YWxBbGlnbm1lbnQiOjAsIlZlcnRpY2FsQWxpZ25tZW50IjowLCJTbWFydEZvcmVncm91bmQiOm51bGwsIkJhY2tncm91bmRGaWxsVHlwZSI6MCwiTWFyZ2luIjp7IiRpZCI6IjQzIiwiVG9wIjowLjAsIkxlZnQiOjAuMCwiUmlnaHQiOjAuMCwiQm90dG9tIjowLjB9LCJQYWRkaW5nIjp7IiRpZCI6IjQ0IiwiVG9wIjowLjAsIkxlZnQiOjAuMCwiUmlnaHQiOjAuMCwiQm90dG9tIjowLjB9LCJCYWNrZ3JvdW5kIjp7IiRpZCI6IjQ1IiwiQ29sb3IiOnsiJGlkIjoiNDYiLCJBIjowLCJSIjoyNTUsIkciOjI1NSwiQiI6MjU1fX0sIklzVmlzaWJsZSI6dHJ1ZSwiV2lkdGgiOjAuMCwiSGVpZ2h0IjowLjAsIkJvcmRlclN0eWxlIjp7IiRpZCI6IjQ3IiwiTGluZUNvbG9yIjpudWxsLCJMaW5lV2VpZ2h0IjowLjAsIkxpbmVUeXBlIjowLCJQYXJlbnRTdHlsZSI6bnVsbH0sIlBhcmVudFN0eWxlIjpudWxsfSwiRGF0ZVN0eWxlIjp7IiRpZCI6IjQ4IiwiRm9udFNldHRpbmdzIjp7IiRpZCI6IjQ5IiwiRm9udFNpemUiOjEwLCJGb250TmFtZSI6IkNhbGlicmkiLCJJc0JvbGQiOmZhbHNlLCJJc0l0YWxpYyI6ZmFsc2UsIklzVW5kZXJsaW5lZCI6ZmFsc2UsIlBhcmVudFN0eWxlIjpudWxsfSwiQXV0b1NpemUiOjAsIkZvcmVncm91bmQiOnsiJGlkIjoiNTAiLCJDb2xvciI6eyIkaWQiOiI1MSIsIkEiOjI1NSwiUiI6NjgsIkciOjg0LCJCIjoxMDZ9fSwiTWF4V2lkdGgiOjIwMC4wLCJNYXhIZWlnaHQiOiJJbmZpbml0eSIsIlNtYXJ0Rm9yZWdyb3VuZElzQWN0aXZlIjpmYWxzZSwiSG9yaXpvbnRhbEFsaWdubWVudCI6MSwiVmVydGljYWxBbGlnbm1lbnQiOjAsIlNtYXJ0Rm9yZWdyb3VuZCI6bnVsbCwiQmFja2dyb3VuZEZpbGxUeXBlIjowLCJNYXJnaW4iOnsiJGlkIjoiNTIiLCJUb3AiOjAuMCwiTGVmdCI6MC4wLCJSaWdodCI6MC4wLCJCb3R0b20iOjAuMH0sIlBhZGRpbmciOnsiJGlkIjoiNTMiLCJUb3AiOjAuMCwiTGVmdCI6MC4wLCJSaWdodCI6MC4wLCJCb3R0b20iOjAuMH0sIkJhY2tncm91bmQiOnsiJGlkIjoiNTQiLCJDb2xvciI6eyIkaWQiOiI1NSIsIkEiOjAsIlIiOjI1NSwiRyI6MjU1LCJCIjoyNTV9fSwiSXNWaXNpYmxlIjp0cnVlLCJXaWR0aCI6MC4wLCJIZWlnaHQiOjAuMCwiQm9yZGVyU3R5bGUiOnsiJGlkIjoiNTYiLCJMaW5lQ29sb3IiOm51bGwsIkxpbmVXZWlnaHQiOjAuMCwiTGluZVR5cGUiOjAsIlBhcmVudFN0eWxlIjpudWxsfSwiUGFyZW50U3R5bGUiOm51bGx9LCJEYXRlRm9ybWF0Ijp7IiRpZCI6IjU3IiwiRm9ybWF0U3RyaW5nIjoiTU1NIGQiLCJTZXBhcmF0b3IiOiIvIiwiVXNlSW50ZXJuYXRpb25hbERhdGVGb3JtYXQiOmZhbHNlLCJEYXRlSXNWaXNpYmxlIjp0cnVlLCJUaW1lSXNWaXNpYmxlIjpmYWxzZSwiSG91ckRpZ2l0cyI6MSwiQW1QbURlc2lnbmF0b3IiOjIsIlRyaW0wME1pbnV0ZXMiOmZhbHNlLCJMYXN0S25vd25WaXNpYmlsaXR5U3RhdGUiOm51bGx9LCJXZWVrTnVtYmVyaW5nIjp7IiRpZCI6IjU4IiwiRm9ybWF0IjowLCJJc1Zpc2libGUiOmZhbHNlLCJMYXN0S25vd25WaXNpYmlsaXR5U3RhdGUiOmZhbHNlfSwiSXNWaXNpYmxlIjp0cnVlLCJQYXJlbnRTdHlsZSI6bnVsbH0sIkluZGV4IjoxLCJTbWFydER1cmF0aW9uQWN0aXZhdGVkIjpmYWxzZSwiRGF0ZUZvcm1hdCI6eyIkcmVmIjoiNTcifSwiV2Vla051bWJlcmluZyI6eyIkaWQiOiI1OSIsIkZvcm1hdCI6MCwiSXNWaXNpYmxlIjpmYWxzZSwiTGFzdEtub3duVmlzaWJpbGl0eVN0YXRlIjpmYWxzZX0sIklkIjoiMGJjMTEwYzctYmJiOS00MjBiLTkzZGItOGM4ZDYzNTc5OGNjIiwiSW1wb3J0SWQiOm51bGwsIlRpdGxlIjoiUE1QIiwiTm90ZSI6bnVsbCwiSHlwZXJsaW5rIjp7IiRpZCI6IjYwIiwiQWRkcmVzcyI6IiIsIlN1YkFkZHJlc3MiOiIifSwiSXNDaGFuZ2VkIjpmYWxzZSwiSXNOZXciOmZhbHNlfX1dLCJfbWlsZXN0b25lcyI6W10sIklkIjoiMDAwMDAwMDAtMDAwMC0wMDAwLTAwMDAtMDAwMDAwMDAwMDAwIiwiSXNTaW5nbGVJdGVtUm93Ijp0cnVlfSx7IiRpZCI6IjYxIiwiX3Rhc2tzIjpbeyIkaWQiOiI2MiIsIl9hdHRhY2hlZE1pbGVzdG9uZXMiOltdLCJUYXNrRGVmaW5pdGlvbiI6eyIkaWQiOiI2MyIsIkdyb3VwTmFtZSI6bnVsbCwiU3RhcnREYXRlIjoiMjAyMi0wNC0wOVQwMDowMDowMFoiLCJFbmREYXRlIjoiMjAyMi0wNC0xMVQyMzo1OTowMFoiLCJQZXJjZW50YWdlQ29tcGxldGUiOm51bGwsIlN0eWxlIjp7IiRpZCI6IjY0IiwiU2hhcGUiOjEsIlNoYXBlVGhpY2tuZXNzIjoxLCJEdXJhdGlvbkZvcm1hdCI6MCwiSW5jbHVkZU5vbldvcmtpbmdEYXlzSW5EdXJhdGlvbiI6ZmFsc2UsIlBlcmNlbnRhZ2VDb21wbGV0ZVN0eWxlIjp7IiRpZCI6IjY1IiwiRm9udFNldHRpbmdzIjp7IiRpZCI6IjY2IiwiRm9udFNpemUiOjEwLCJGb250TmFtZSI6IkNhbGlicmkiLCJJc0JvbGQiOmZhbHNlLCJJc0l0YWxpYyI6ZmFsc2UsIklzVW5kZXJsaW5lZCI6ZmFsc2UsIlBhcmVudFN0eWxlIjpudWxsfSwiQXV0b1NpemUiOjAsIkZvcmVncm91bmQiOnsiJHJlZiI6IjEwIn0sIk1heFdpZHRoIjoyMDAuMCwiTWF4SGVpZ2h0IjoiSW5maW5pdHkiLCJTbWFydEZvcmVncm91bmRJc0FjdGl2ZSI6ZmFsc2UsIkhvcml6b250YWxBbGlnbm1lbnQiOjAsIlZlcnRpY2FsQWxpZ25tZW50IjowLCJTbWFydEZvcmVncm91bmQiOm51bGwsIkJhY2tncm91bmRGaWxsVHlwZSI6MCwiTWFyZ2luIjp7IiRpZCI6IjY3IiwiVG9wIjowLjAsIkxlZnQiOjAuMCwiUmlnaHQiOjAuMCwiQm90dG9tIjowLjB9LCJQYWRkaW5nIjp7IiRpZCI6IjY4IiwiVG9wIjowLjAsIkxlZnQiOjAuMCwiUmlnaHQiOjAuMCwiQm90dG9tIjowLjB9LCJCYWNrZ3JvdW5kIjp7IiRpZCI6IjY5IiwiQ29sb3IiOnsiJGlkIjoiNzAiLCJBIjo4OSwiUiI6MCwiRyI6MCwiQiI6MH19LCJJc1Zpc2libGUiOnRydWUsIldpZHRoIjowLjAsIkhlaWdodCI6MC4wLCJCb3JkZXJTdHlsZSI6eyIkaWQiOiI3MSIsIkxpbmVDb2xvciI6bnVsbCwiTGluZVdlaWdodCI6MC4wLCJMaW5lVHlwZSI6MCwiUGFyZW50U3R5bGUiOm51bGx9LCJQYXJlbnRTdHlsZSI6bnVsbH0sIkR1cmF0aW9uU3R5bGUiOnsiJGlkIjoiNzIiLCJGb250U2V0dGluZ3MiOnsiJGlkIjoiNzMiLCJGb250U2l6ZSI6MTAsIkZvbnROYW1lIjoiQ2FsaWJyaSIsIklzQm9sZCI6ZmFsc2UsIklzSXRhbGljIjpmYWxzZSwiSXNVbmRlcmxpbmVkIjpmYWxzZSwiUGFyZW50U3R5bGUiOm51bGx9LCJBdXRvU2l6ZSI6MCwiRm9yZWdyb3VuZCI6eyIkaWQiOiI3NCIsIkNvbG9yIjp7IiRpZCI6Ijc1IiwiQSI6MjU1LCJSIjoyMzcsIkciOjEyNSwiQiI6NDl9fSwiTWF4V2lkdGgiOjIwMC4wLCJNYXhIZWlnaHQiOiJJbmZpbml0eSIsIlNtYXJ0Rm9yZWdyb3VuZElzQWN0aXZlIjpmYWxzZSwiSG9yaXpvbnRhbEFsaWdubWVudCI6MCwiVmVydGljYWxBbGlnbm1lbnQiOjAsIlNtYXJ0Rm9yZWdyb3VuZCI6bnVsbCwiQmFja2dyb3VuZEZpbGxUeXBlIjowLCJNYXJnaW4iOnsiJGlkIjoiNzYiLCJUb3AiOjAuMCwiTGVmdCI6MC4wLCJSaWdodCI6MC4wLCJCb3R0b20iOjAuMH0sIlBhZGRpbmciOnsiJGlkIjoiNzciLCJUb3AiOjAuMCwiTGVmdCI6MC4wLCJSaWdodCI6MC4wLCJCb3R0b20iOjAuMH0sIkJhY2tncm91bmQiOnsiJGlkIjoiNzgiLCJDb2xvciI6eyIkcmVmIjoiNzAifX0sIklzVmlzaWJsZSI6dHJ1ZSwiV2lkdGgiOjAuMCwiSGVpZ2h0IjowLjAsIkJvcmRlclN0eWxlIjp7IiRpZCI6Ijc5IiwiTGluZUNvbG9yIjpudWxsLCJMaW5lV2VpZ2h0IjowLjAsIkxpbmVUeXBlIjowLCJQYXJlbnRTdHlsZSI6bnVsbH0sIlBhcmVudFN0eWxlIjpudWxsfSwiSG9yaXpvbnRhbENvbm5lY3RvclN0eWxlIjp7IiRpZCI6IjgwIiwiTGluZUNvbG9yIjp7IiRpZCI6IjgxIiwiJHR5cGUiOiJOTFJFLkNvbW1vbi5Eb20uU29saWRDb2xvckJydXNoLCBOTFJFLkNvbW1vbiIsIkNvbG9yIjp7IiRpZCI6IjgyIiwiQSI6MjU1LCJSIjoyMDQsIkciOjIwNCwiQiI6MjA0fX0sIkxpbmVXZWlnaHQiOjEuMCwiTGluZVR5cGUiOjAsIlBhcmVudFN0eWxlIjpudWxsfSwiVmVydGljYWxDb25uZWN0b3JTdHlsZSI6eyIkaWQiOiI4MyIsIkxpbmVDb2xvciI6eyIkaWQiOiI4NCIsIiR0eXBlIjoiTkxSRS5Db21tb24uRG9tLlNvbGlkQ29sb3JCcnVzaCwgTkxSRS5Db21tb24iLCJDb2xvciI6eyIkaWQiOiI4NSIsIkEiOjI1NSwiUiI6MjA0LCJHIjoyMDQsIkIiOjIwNH19LCJMaW5lV2VpZ2h0IjowLjAsIkxpbmVUeXBlIjowLCJQYXJlbnRTdHlsZSI6bnVsbH0sIk1hcmdpbiI6bnVsbCwiU3RhcnREYXRlUG9zaXRpb24iOjMsIkVuZERhdGVQb3NpdGlvbiI6NCwiRGF0ZUlzVmlzaWJsZSI6dHJ1ZSwiVGl0bGVQb3NpdGlvbiI6MCwiRHVyYXRpb25Qb3NpdGlvbiI6NiwiUGVyY2VudGFnZUNvbXBsZXRlZFBvc2l0aW9uIjo2LCJTcGFjaW5nIjo1LCJJc0JlbG93VGltZWJhbmQiOnRydWUsIlBlcmNlbnRhZ2VDb21wbGV0ZVNoYXBlT3BhY2l0eSI6MzUsIlNoYXBlU3R5bGUiOnsiJGlkIjoiODYiLCJNYXJnaW4iOnsiJGlkIjoiODciLCJUb3AiOjAuMCwiTGVmdCI6NC4wLCJSaWdodCI6NC4wLCJCb3R0b20iOjAuMH0sIlBhZGRpbmciOnsiJGlkIjoiODgiLCJUb3AiOjAuMCwiTGVmdCI6MC4wLCJSaWdodCI6MC4wLCJCb3R0b20iOjAuMH0sIkJhY2tncm91bmQiOnsiJGlkIjoiODkiLCJDb2xvciI6eyIkaWQiOiI5MCIsIkEiOjI1NSwiUiI6MjYsIkciOjE3MCwiQiI6NjZ9fSwiSXNWaXNpYmxlIjp0cnVlLCJXaWR0aCI6MC4wLCJIZWlnaHQiOjE2LjAsIkJvcmRlclN0eWxlIjp7IiRpZCI6IjkxIiwiTGluZUNvbG9yIjp7IiRpZCI6IjkyIiwiJHR5cGUiOiJOTFJFLkNvbW1vbi5Eb20uU29saWRDb2xvckJydXNoLCBOTFJFLkNvbW1vbiIsIkNvbG9yIjp7IiRpZCI6IjkzIiwiQSI6MjU1LCJSIjoyNTUsIkciOjAsIkIiOjB9fSwiTGluZVdlaWdodCI6MC4wLCJMaW5lVHlwZSI6MCwiUGFyZW50U3R5bGUiOm51bGx9LCJQYXJlbnRTdHlsZSI6bnVsbH0sIlRpdGxlU3R5bGUiOnsiJGlkIjoiOTQiLCJGb250U2V0dGluZ3MiOnsiJGlkIjoiOTUiLCJGb250U2l6ZSI6MTEsIkZvbnROYW1lIjoiQ2FsaWJyaSIsIklzQm9sZCI6dHJ1ZSwiSXNJdGFsaWMiOmZhbHNlLCJJc1VuZGVybGluZWQiOmZhbHNlLCJQYXJlbnRTdHlsZSI6bnVsbH0sIkF1dG9TaXplIjowLCJGb3JlZ3JvdW5kIjp7IiRpZCI6Ijk2IiwiQ29sb3IiOnsiJGlkIjoiOTciLCJBIjoyNTUsIlIiOjAsIkciOjAsIkIiOjB9fSwiTWF4V2lkdGgiOjcyMC4wLCJNYXhIZWlnaHQiOiJJbmZpbml0eSIsIlNtYXJ0Rm9yZWdyb3VuZElzQWN0aXZlIjpmYWxzZSwiSG9yaXpvbnRhbEFsaWdubWVudCI6MCwiVmVydGljYWxBbGlnbm1lbnQiOjAsIlNtYXJ0Rm9yZWdyb3VuZCI6bnVsbCwiQmFja2dyb3VuZEZpbGxUeXBlIjowLCJNYXJnaW4iOnsiJGlkIjoiOTgiLCJUb3AiOjAuMCwiTGVmdCI6MC4wLCJSaWdodCI6MC4wLCJCb3R0b20iOjAuMH0sIlBhZGRpbmciOnsiJGlkIjoiOTkiLCJUb3AiOjAuMCwiTGVmdCI6MC4wLCJSaWdodCI6MC4wLCJCb3R0b20iOjAuMH0sIkJhY2tncm91bmQiOnsiJGlkIjoiMTAwIiwiQ29sb3IiOnsiJGlkIjoiMTAxIiwiQSI6MCwiUiI6MjU1LCJHIjoyNTUsIkIiOjI1NX19LCJJc1Zpc2libGUiOnRydWUsIldpZHRoIjowLjAsIkhlaWdodCI6MC4wLCJCb3JkZXJTdHlsZSI6eyIkaWQiOiIxMDIiLCJMaW5lQ29sb3IiOm51bGwsIkxpbmVXZWlnaHQiOjAuMCwiTGluZVR5cGUiOjAsIlBhcmVudFN0eWxlIjpudWxsfSwiUGFyZW50U3R5bGUiOm51bGx9LCJEYXRlU3R5bGUiOnsiJGlkIjoiMTAzIiwiRm9udFNldHRpbmdzIjp7IiRpZCI6IjEwNCIsIkZvbnRTaXplIjoxMCwiRm9udE5hbWUiOiJDYWxpYnJpIiwiSXNCb2xkIjpmYWxzZSwiSXNJdGFsaWMiOmZhbHNlLCJJc1VuZGVybGluZWQiOmZhbHNlLCJQYXJlbnRTdHlsZSI6bnVsbH0sIkF1dG9TaXplIjowLCJGb3JlZ3JvdW5kIjp7IiRpZCI6IjEwNSIsIkNvbG9yIjp7IiRpZCI6IjEwNiIsIkEiOjI1NSwiUiI6NjgsIkciOjg0LCJCIjoxMDZ9fSwiTWF4V2lkdGgiOjIwMC4wLCJNYXhIZWlnaHQiOiJJbmZpbml0eSIsIlNtYXJ0Rm9yZWdyb3VuZElzQWN0aXZlIjpmYWxzZSwiSG9yaXpvbnRhbEFsaWdubWVudCI6MSwiVmVydGljYWxBbGlnbm1lbnQiOjAsIlNtYXJ0Rm9yZWdyb3VuZCI6bnVsbCwiQmFja2dyb3VuZEZpbGxUeXBlIjowLCJNYXJnaW4iOnsiJGlkIjoiMTA3IiwiVG9wIjowLjAsIkxlZnQiOjAuMCwiUmlnaHQiOjAuMCwiQm90dG9tIjowLjB9LCJQYWRkaW5nIjp7IiRpZCI6IjEwOCIsIlRvcCI6MC4wLCJMZWZ0IjowLjAsIlJpZ2h0IjowLjAsIkJvdHRvbSI6MC4wfSwiQmFja2dyb3VuZCI6eyIkaWQiOiIxMDkiLCJDb2xvciI6eyIkaWQiOiIxMTAiLCJBIjowLCJSIjoyNTUsIkciOjI1NSwiQiI6MjU1fX0sIklzVmlzaWJsZSI6dHJ1ZSwiV2lkdGgiOjAuMCwiSGVpZ2h0IjowLjAsIkJvcmRlclN0eWxlIjp7IiRpZCI6IjExMSIsIkxpbmVDb2xvciI6bnVsbCwiTGluZVdlaWdodCI6MC4wLCJMaW5lVHlwZSI6MCwiUGFyZW50U3R5bGUiOm51bGx9LCJQYXJlbnRTdHlsZSI6bnVsbH0sIkRhdGVGb3JtYXQiOnsiJGlkIjoiMTEyIiwiRm9ybWF0U3RyaW5nIjoiTU1NIGQiLCJTZXBhcmF0b3IiOiIvIiwiVXNlSW50ZXJuYXRpb25hbERhdGVGb3JtYXQiOmZhbHNlLCJEYXRlSXNWaXNpYmxlIjp0cnVlLCJUaW1lSXNWaXNpYmxlIjpmYWxzZSwiSG91ckRpZ2l0cyI6MSwiQW1QbURlc2lnbmF0b3IiOjIsIlRyaW0wME1pbnV0ZXMiOmZhbHNlLCJMYXN0S25vd25WaXNpYmlsaXR5U3RhdGUiOm51bGx9LCJXZWVrTnVtYmVyaW5nIjp7IiRpZCI6IjExMyIsIkZvcm1hdCI6MCwiSXNWaXNpYmxlIjpmYWxzZSwiTGFzdEtub3duVmlzaWJpbGl0eVN0YXRlIjpmYWxzZX0sIklzVmlzaWJsZSI6dHJ1ZSwiUGFyZW50U3R5bGUiOm51bGx9LCJJbmRleCI6MiwiU21hcnREdXJhdGlvbkFjdGl2YXRlZCI6ZmFsc2UsIkRhdGVGb3JtYXQiOnsiJHJlZiI6IjExMiJ9LCJXZWVrTnVtYmVyaW5nIjp7IiRpZCI6IjExNCIsIkZvcm1hdCI6MCwiSXNWaXNpYmxlIjpmYWxzZSwiTGFzdEtub3duVmlzaWJpbGl0eVN0YXRlIjpmYWxzZX0sIklkIjoiYWY2YmY2YzMtYjNlNS00YmRiLTg5NDQtYjgxYjk5OGE0NTVlIiwiSW1wb3J0SWQiOm51bGwsIlRpdGxlIjoiQ29uZmlndXJhdGlvbiBUb29sIFNldHVwIiwiTm90ZSI6bnVsbCwiSHlwZXJsaW5rIjp7IiRpZCI6IjExNSIsIkFkZHJlc3MiOiIiLCJTdWJBZGRyZXNzIjoiIn0sIklzQ2hhbmdlZCI6ZmFsc2UsIklzTmV3IjpmYWxzZX19XSwiX21pbGVzdG9uZXMiOltdLCJJZCI6IjAwMDAwMDAwLTAwMDAtMDAwMC0wMDAwLTAwMDAwMDAwMDAwMCIsIklzU2luZ2xlSXRlbVJvdyI6dHJ1ZX0seyIkaWQiOiIxMTYiLCJfdGFza3MiOlt7IiRpZCI6IjExNyIsIl9hdHRhY2hlZE1pbGVzdG9uZXMiOltdLCJUYXNrRGVmaW5pdGlvbiI6eyIkaWQiOiIxMTgiLCJHcm91cE5hbWUiOm51bGwsIlN0YXJ0RGF0ZSI6IjIwMjItMDQtMDlUMDA6MDA6MDBaIiwiRW5kRGF0ZSI6IjIwMjItMDQtMTVUMjM6NTk6MDBaIiwiUGVyY2VudGFnZUNvbXBsZXRlIjpudWxsLCJTdHlsZSI6eyIkaWQiOiIxMTkiLCJTaGFwZSI6MiwiU2hhcGVUaGlja25lc3MiOjEsIkR1cmF0aW9uRm9ybWF0IjowLCJJbmNsdWRlTm9uV29ya2luZ0RheXNJbkR1cmF0aW9uIjpmYWxzZSwiUGVyY2VudGFnZUNvbXBsZXRlU3R5bGUiOnsiJGlkIjoiMTIwIiwiRm9udFNldHRpbmdzIjp7IiRpZCI6IjEyMSIsIkZvbnRTaXplIjoxMCwiRm9udE5hbWUiOiJDYWxpYnJpIiwiSXNCb2xkIjpmYWxzZSwiSXNJdGFsaWMiOmZhbHNlLCJJc1VuZGVybGluZWQiOmZhbHNlLCJQYXJlbnRTdHlsZSI6bnVsbH0sIkF1dG9TaXplIjowLCJGb3JlZ3JvdW5kIjp7IiRyZWYiOiIxMCJ9LCJNYXhXaWR0aCI6MjAwLjAsIk1heEhlaWdodCI6IkluZmluaXR5IiwiU21hcnRGb3JlZ3JvdW5kSXNBY3RpdmUiOmZhbHNlLCJIb3Jpem9udGFsQWxpZ25tZW50IjowLCJWZXJ0aWNhbEFsaWdubWVudCI6MCwiU21hcnRGb3JlZ3JvdW5kIjpudWxsLCJCYWNrZ3JvdW5kRmlsbFR5cGUiOjAsIk1hcmdpbiI6eyIkaWQiOiIxMjIiLCJUb3AiOjAuMCwiTGVmdCI6MC4wLCJSaWdodCI6MC4wLCJCb3R0b20iOjAuMH0sIlBhZGRpbmciOnsiJGlkIjoiMTIzIiwiVG9wIjowLjAsIkxlZnQiOjAuMCwiUmlnaHQiOjAuMCwiQm90dG9tIjowLjB9LCJCYWNrZ3JvdW5kIjp7IiRpZCI6IjEyNCIsIkNvbG9yIjp7IiRpZCI6IjEyNSIsIkEiOjg5LCJSIjowLCJHIjowLCJCIjowfX0sIklzVmlzaWJsZSI6dHJ1ZSwiV2lkdGgiOjAuMCwiSGVpZ2h0IjowLjAsIkJvcmRlclN0eWxlIjp7IiRpZCI6IjEyNiIsIkxpbmVDb2xvciI6bnVsbCwiTGluZVdlaWdodCI6MC4wLCJMaW5lVHlwZSI6MCwiUGFyZW50U3R5bGUiOm51bGx9LCJQYXJlbnRTdHlsZSI6bnVsbH0sIkR1cmF0aW9uU3R5bGUiOnsiJGlkIjoiMTI3IiwiRm9udFNldHRpbmdzIjp7IiRpZCI6IjEyOCIsIkZvbnRTaXplIjoxMCwiRm9udE5hbWUiOiJDYWxpYnJpIiwiSXNCb2xkIjpmYWxzZSwiSXNJdGFsaWMiOmZhbHNlLCJJc1VuZGVybGluZWQiOmZhbHNlLCJQYXJlbnRTdHlsZSI6bnVsbH0sIkF1dG9TaXplIjowLCJGb3JlZ3JvdW5kIjp7IiRpZCI6IjEyOSIsIkNvbG9yIjp7IiRpZCI6IjEzMCIsIkEiOjI1NSwiUiI6MjM3LCJHIjoxMjUsIkIiOjQ5fX0sIk1heFdpZHRoIjoyMDAuMCwiTWF4SGVpZ2h0IjoiSW5maW5pdHkiLCJTbWFydEZvcmVncm91bmRJc0FjdGl2ZSI6ZmFsc2UsIkhvcml6b250YWxBbGlnbm1lbnQiOjAsIlZlcnRpY2FsQWxpZ25tZW50IjowLCJTbWFydEZvcmVncm91bmQiOm51bGwsIkJhY2tncm91bmRGaWxsVHlwZSI6MCwiTWFyZ2luIjp7IiRpZCI6IjEzMSIsIlRvcCI6MC4wLCJMZWZ0IjowLjAsIlJpZ2h0IjowLjAsIkJvdHRvbSI6MC4wfSwiUGFkZGluZyI6eyIkaWQiOiIxMzIiLCJUb3AiOjAuMCwiTGVmdCI6MC4wLCJSaWdodCI6MC4wLCJCb3R0b20iOjAuMH0sIkJhY2tncm91bmQiOnsiJGlkIjoiMTMzIiwiQ29sb3IiOnsiJHJlZiI6IjEyNSJ9fSwiSXNWaXNpYmxlIjp0cnVlLCJXaWR0aCI6MC4wLCJIZWlnaHQiOjAuMCwiQm9yZGVyU3R5bGUiOnsiJGlkIjoiMTM0IiwiTGluZUNvbG9yIjpudWxsLCJMaW5lV2VpZ2h0IjowLjAsIkxpbmVUeXBlIjowLCJQYXJlbnRTdHlsZSI6bnVsbH0sIlBhcmVudFN0eWxlIjpudWxsfSwiSG9yaXpvbnRhbENvbm5lY3RvclN0eWxlIjp7IiRpZCI6IjEzNSIsIkxpbmVDb2xvciI6eyIkaWQiOiIxMzYiLCIkdHlwZSI6Ik5MUkUuQ29tbW9uLkRvbS5Tb2xpZENvbG9yQnJ1c2gsIE5MUkUuQ29tbW9uIiwiQ29sb3IiOnsiJGlkIjoiMTM3IiwiQSI6MjU1LCJSIjoyMDQsIkciOjIwNCwiQiI6MjA0fX0sIkxpbmVXZWlnaHQiOjEuMCwiTGluZVR5cGUiOjAsIlBhcmVudFN0eWxlIjpudWxsfSwiVmVydGljYWxDb25uZWN0b3JTdHlsZSI6eyIkaWQiOiIxMzgiLCJMaW5lQ29sb3IiOnsiJGlkIjoiMTM5IiwiJHR5cGUiOiJOTFJFLkNvbW1vbi5Eb20uU29saWRDb2xvckJydXNoLCBOTFJFLkNvbW1vbiIsIkNvbG9yIjp7IiRpZCI6IjE0MCIsIkEiOjI1NSwiUiI6MjA0LCJHIjoyMDQsIkIiOjIwNH19LCJMaW5lV2VpZ2h0IjowLjAsIkxpbmVUeXBlIjowLCJQYXJlbnRTdHlsZSI6bnVsbH0sIk1hcmdpbiI6bnVsbCwiU3RhcnREYXRlUG9zaXRpb24iOjMsIkVuZERhdGVQb3NpdGlvbiI6NCwiRGF0ZUlzVmlzaWJsZSI6dHJ1ZSwiVGl0bGVQb3NpdGlvbiI6MiwiRHVyYXRpb25Qb3NpdGlvbiI6NiwiUGVyY2VudGFnZUNvbXBsZXRlZFBvc2l0aW9uIjo2LCJTcGFjaW5nIjo1LCJJc0JlbG93VGltZWJhbmQiOnRydWUsIlBlcmNlbnRhZ2VDb21wbGV0ZVNoYXBlT3BhY2l0eSI6MzUsIlNoYXBlU3R5bGUiOnsiJGlkIjoiMTQxIiwiTWFyZ2luIjp7IiRpZCI6IjE0MiIsIlRvcCI6MC4wLCJMZWZ0Ijo0LjAsIlJpZ2h0Ijo0LjAsIkJvdHRvbSI6MC4wfSwiUGFkZGluZyI6eyIkaWQiOiIxNDMiLCJUb3AiOjAuMCwiTGVmdCI6MC4wLCJSaWdodCI6MC4wLCJCb3R0b20iOjAuMH0sIkJhY2tncm91bmQiOnsiJGlkIjoiMTQ0IiwiQ29sb3IiOnsiJGlkIjoiMTQ1IiwiQSI6MjU1LCJSIjo5MSwiRyI6MTU1LCJCIjoyMTN9fSwiSXNWaXNpYmxlIjp0cnVlLCJXaWR0aCI6MC4wLCJIZWlnaHQiOjE2LjAsIkJvcmRlclN0eWxlIjp7IiRpZCI6IjE0NiIsIkxpbmVDb2xvciI6eyIkaWQiOiIxNDciLCIkdHlwZSI6Ik5MUkUuQ29tbW9uLkRvbS5Tb2xpZENvbG9yQnJ1c2gsIE5MUkUuQ29tbW9uIiwiQ29sb3IiOnsiJGlkIjoiMTQ4IiwiQSI6MjU1LCJSIjoyNTUsIkciOjAsIkIiOjB9fSwiTGluZVdlaWdodCI6MC4wLCJMaW5lVHlwZSI6MCwiUGFyZW50U3R5bGUiOm51bGx9LCJQYXJlbnRTdHlsZSI6bnVsbH0sIlRpdGxlU3R5bGUiOnsiJGlkIjoiMTQ5IiwiRm9udFNldHRpbmdzIjp7IiRpZCI6IjE1MCIsIkZvbnRTaXplIjoxMSwiRm9udE5hbWUiOiJDYWxpYnJpIiwiSXNCb2xkIjp0cnVlLCJJc0l0YWxpYyI6ZmFsc2UsIklzVW5kZXJsaW5lZCI6ZmFsc2UsIlBhcmVudFN0eWxlIjpudWxsfSwiQXV0b1NpemUiOjAsIkZvcmVncm91bmQiOnsiJGlkIjoiMTUxIiwiQ29sb3IiOnsiJGlkIjoiMTUyIiwiQSI6MjU1LCJSIjowLCJHIjowLCJCIjowfX0sIk1heFdpZHRoIjo3MjAuMCwiTWF4SGVpZ2h0IjoiSW5maW5pdHkiLCJTbWFydEZvcmVncm91bmRJc0FjdGl2ZSI6ZmFsc2UsIkhvcml6b250YWxBbGlnbm1lbnQiOjEsIlZlcnRpY2FsQWxpZ25tZW50IjowLCJTbWFydEZvcmVncm91bmQiOm51bGwsIkJhY2tncm91bmRGaWxsVHlwZSI6MCwiTWFyZ2luIjp7IiRpZCI6IjE1MyIsIlRvcCI6MC4wLCJMZWZ0IjowLjAsIlJpZ2h0IjowLjAsIkJvdHRvbSI6MC4wfSwiUGFkZGluZyI6eyIkaWQiOiIxNTQiLCJUb3AiOjAuMCwiTGVmdCI6MC4wLCJSaWdodCI6MC4wLCJCb3R0b20iOjAuMH0sIkJhY2tncm91bmQiOnsiJGlkIjoiMTU1IiwiQ29sb3IiOnsiJGlkIjoiMTU2IiwiQSI6MCwiUiI6MjU1LCJHIjoyNTUsIkIiOjI1NX19LCJJc1Zpc2libGUiOnRydWUsIldpZHRoIjowLjAsIkhlaWdodCI6MC4wLCJCb3JkZXJTdHlsZSI6eyIkaWQiOiIxNTciLCJMaW5lQ29sb3IiOm51bGwsIkxpbmVXZWlnaHQiOjAuMCwiTGluZVR5cGUiOjAsIlBhcmVudFN0eWxlIjpudWxsfSwiUGFyZW50U3R5bGUiOm51bGx9LCJEYXRlU3R5bGUiOnsiJGlkIjoiMTU4IiwiRm9udFNldHRpbmdzIjp7IiRpZCI6IjE1OSIsIkZvbnRTaXplIjoxMCwiRm9udE5hbWUiOiJDYWxpYnJpIiwiSXNCb2xkIjpmYWxzZSwiSXNJdGFsaWMiOmZhbHNlLCJJc1VuZGVybGluZWQiOmZhbHNlLCJQYXJlbnRTdHlsZSI6bnVsbH0sIkF1dG9TaXplIjowLCJGb3JlZ3JvdW5kIjp7IiRpZCI6IjE2MCIsIkNvbG9yIjp7IiRpZCI6IjE2MSIsIkEiOjI1NSwiUiI6NjgsIkciOjg0LCJCIjoxMDZ9fSwiTWF4V2lkdGgiOjIwMC4wLCJNYXhIZWlnaHQiOiJJbmZpbml0eSIsIlNtYXJ0Rm9yZWdyb3VuZElzQWN0aXZlIjpmYWxzZSwiSG9yaXpvbnRhbEFsaWdubWVudCI6MSwiVmVydGljYWxBbGlnbm1lbnQiOjAsIlNtYXJ0Rm9yZWdyb3VuZCI6bnVsbCwiQmFja2dyb3VuZEZpbGxUeXBlIjowLCJNYXJnaW4iOnsiJGlkIjoiMTYyIiwiVG9wIjowLjAsIkxlZnQiOjAuMCwiUmlnaHQiOjAuMCwiQm90dG9tIjowLjB9LCJQYWRkaW5nIjp7IiRpZCI6IjE2MyIsIlRvcCI6MC4wLCJMZWZ0IjowLjAsIlJpZ2h0IjowLjAsIkJvdHRvbSI6MC4wfSwiQmFja2dyb3VuZCI6eyIkaWQiOiIxNjQiLCJDb2xvciI6eyIkaWQiOiIxNjUiLCJBIjowLCJSIjoyNTUsIkciOjI1NSwiQiI6MjU1fX0sIklzVmlzaWJsZSI6dHJ1ZSwiV2lkdGgiOjAuMCwiSGVpZ2h0IjowLjAsIkJvcmRlclN0eWxlIjp7IiRpZCI6IjE2NiIsIkxpbmVDb2xvciI6bnVsbCwiTGluZVdlaWdodCI6MC4wLCJMaW5lVHlwZSI6MCwiUGFyZW50U3R5bGUiOm51bGx9LCJQYXJlbnRTdHlsZSI6bnVsbH0sIkRhdGVGb3JtYXQiOnsiJGlkIjoiMTY3IiwiRm9ybWF0U3RyaW5nIjoiTU1NIGQiLCJTZXBhcmF0b3IiOiIvIiwiVXNlSW50ZXJuYXRpb25hbERhdGVGb3JtYXQiOmZhbHNlLCJEYXRlSXNWaXNpYmxlIjp0cnVlLCJUaW1lSXNWaXNpYmxlIjpmYWxzZSwiSG91ckRpZ2l0cyI6MSwiQW1QbURlc2lnbmF0b3IiOjIsIlRyaW0wME1pbnV0ZXMiOmZhbHNlLCJMYXN0S25vd25WaXNpYmlsaXR5U3RhdGUiOm51bGx9LCJXZWVrTnVtYmVyaW5nIjp7IiRpZCI6IjE2OCIsIkZvcm1hdCI6MCwiSXNWaXNpYmxlIjpmYWxzZSwiTGFzdEtub3duVmlzaWJpbGl0eVN0YXRlIjpmYWxzZX0sIklzVmlzaWJsZSI6dHJ1ZSwiUGFyZW50U3R5bGUiOm51bGx9LCJJbmRleCI6MywiU21hcnREdXJhdGlvbkFjdGl2YXRlZCI6ZmFsc2UsIkRhdGVGb3JtYXQiOnsiJHJlZiI6IjE2NyJ9LCJXZWVrTnVtYmVyaW5nIjp7IiRpZCI6IjE2OSIsIkZvcm1hdCI6MCwiSXNWaXNpYmxlIjpmYWxzZSwiTGFzdEtub3duVmlzaWJpbGl0eVN0YXRlIjpmYWxzZX0sIklkIjoiYzEyMWZlZTktMGZmYi00YmU5LWEwODMtYTBkMWQwMDVhZGQ2IiwiSW1wb3J0SWQiOm51bGwsIlRpdGxlIjoiU1JTIiwiTm90ZSI6bnVsbCwiSHlwZXJsaW5rIjp7IiRpZCI6IjE3MCIsIkFkZHJlc3MiOiIiLCJTdWJBZGRyZXNzIjoiIn0sIklzQ2hhbmdlZCI6ZmFsc2UsIklzTmV3IjpmYWxzZX19XSwiX21pbGVzdG9uZXMiOltdLCJJZCI6IjAwMDAwMDAwLTAwMDAtMDAwMC0wMDAwLTAwMDAwMDAwMDAwMCIsIklzU2luZ2xlSXRlbVJvdyI6dHJ1ZX1dLCJJbmRleCI6MCwiSWQiOiJhOTVhZTBhOC04MWMwLTQ3ZGMtYWMzOS0zMWU2ZjcyMDE2MzciLCJIZWFkZXJUZXh0IjpudWxsLCJJc0RlZmF1bHQiOnRydWUsIlN0eWxlIjp7IiRpZCI6IjE3MSIsIkhlYWRlclN0eWxlIjp7IiRpZCI6IjE3MiIsIlRleHRTdHlsZSI6eyIkaWQiOiIxNzMiLCJGb250U2V0dGluZ3MiOnsiJGlkIjoiMTc0IiwiRm9udFNpemUiOjExLCJGb250TmFtZSI6IkNhbGlicmkiLCJJc0JvbGQiOmZhbHNlLCJJc0l0YWxpYyI6ZmFsc2UsIklzVW5kZXJsaW5lZCI6ZmFsc2UsIlBhcmVudFN0eWxlIjpudWxsfSwiQXV0b1NpemUiOjIsIkZvcmVncm91bmQiOnsiJGlkIjoiMTc1IiwiQ29sb3IiOnsiJGlkIjoiMTc2IiwiQSI6MjU1LCJSIjowLCJHIjowLCJCIjowfX0sIk1heFdpZHRoIjowLjAsIk1heEhlaWdodCI6IkluZmluaXR5IiwiU21hcnRGb3JlZ3JvdW5kSXNBY3RpdmUiOmZhbHNlLCJIb3Jpem9udGFsQWxpZ25tZW50IjowLCJWZXJ0aWNhbEFsaWdubWVudCI6MCwiU21hcnRGb3JlZ3JvdW5kIjpudWxsLCJCYWNrZ3JvdW5kRmlsbFR5cGUiOjAsIk1hcmdpbiI6eyIkaWQiOiIxNzciLCJUb3AiOjAuMCwiTGVmdCI6MC4wLCJSaWdodCI6MC4wLCJCb3R0b20iOjAuMH0sIlBhZGRpbmciOnsiJGlkIjoiMTc4IiwiVG9wIjowLjAsIkxlZnQiOjAuMCwiUmlnaHQiOjAuMCwiQm90dG9tIjowLjB9LCJCYWNrZ3JvdW5kIjpudWxsLCJJc1Zpc2libGUiOnRydWUsIldpZHRoIjowLjAsIkhlaWdodCI6MC4wLCJCb3JkZXJTdHlsZSI6bnVsbCwiUGFyZW50U3R5bGUiOm51bGx9LCJSZWN0YW5nbGVTdHlsZSI6eyIkaWQiOiIxNzkiLCJNYXJnaW4iOnsiJGlkIjoiMTgwIiwiVG9wIjowLjAsIkxlZnQiOjAuMCwiUmlnaHQiOjAuMCwiQm90dG9tIjowLjB9LCJQYWRkaW5nIjp7IiRpZCI6IjE4MSIsIlRvcCI6MC4wLCJMZWZ0IjowLjAsIlJpZ2h0IjowLjAsIkJvdHRvbSI6MC4wfSwiQmFja2dyb3VuZCI6eyIkaWQiOiIxODIiLCJDb2xvciI6eyIkaWQiOiIxODMiLCJBIjo2MywiUiI6OTEsIkciOjE1NSwiQiI6MjEzfX0sIklzVmlzaWJsZSI6dHJ1ZSwiV2lkdGgiOjAuMCwiSGVpZ2h0IjowLjAsIkJvcmRlclN0eWxlIjp7IiRpZCI6IjE4NCIsIkxpbmVDb2xvciI6eyIkaWQiOiIxODUiLCIkdHlwZSI6Ik5MUkUuQ29tbW9uLkRvbS5Tb2xpZENvbG9yQnJ1c2gsIE5MUkUuQ29tbW9uIiwiQ29sb3IiOnsiJGlkIjoiMTg2IiwiQSI6MjU1LCJSIjoyNTUsIkciOjAsIkIiOjB9fSwiTGluZVdlaWdodCI6MC4wLCJMaW5lVHlwZSI6MCwiUGFyZW50U3R5bGUiOm51bGx9LCJQYXJlbnRTdHlsZSI6bnVsbH0sIk1hcmdpbiI6eyIkaWQiOiIxODciLCJUb3AiOjAuMCwiTGVmdCI6MC4wLCJSaWdodCI6MC4wLCJCb3R0b20iOjAuMH0sIlBhZGRpbmciOnsiJGlkIjoiMTg4IiwiVG9wIjowLjAsIkxlZnQiOjAuMCwiUmlnaHQiOjAuMCwiQm90dG9tIjowLjB9LCJCYWNrZ3JvdW5kIjpudWxsLCJJc1Zpc2libGUiOnRydWUsIldpZHRoIjowLjAsIkhlaWdodCI6MC4wLCJCb3JkZXJTdHlsZSI6bnVsbCwiUGFyZW50U3R5bGUiOm51bGx9LCJCYWNrZ3JvdW5kU3R5bGUiOnsiJGlkIjoiMTg5IiwiTWFyZ2luIjp7IiRpZCI6IjE5MCIsIlRvcCI6MC4wLCJMZWZ0IjowLjAsIlJpZ2h0IjowLjAsIkJvdHRvbSI6MC4wfSwiUGFkZGluZyI6eyIkaWQiOiIxOTEiLCJUb3AiOjAuMCwiTGVmdCI6MC4wLCJSaWdodCI6MC4wLCJCb3R0b20iOjAuMH0sIkJhY2tncm91bmQiOnsiJGlkIjoiMTkyIiwiQ29sb3IiOnsiJGlkIjoiMTkzIiwiQSI6NTEsIlIiOjE2NSwiRyI6MTY1LCJCIjoxNjV9fSwiSXNWaXNpYmxlIjp0cnVlLCJXaWR0aCI6MC4wLCJIZWlnaHQiOjAuMCwiQm9yZGVyU3R5bGUiOnsiJGlkIjoiMTk0IiwiTGluZUNvbG9yIjp7IiRpZCI6IjE5NSIsIiR0eXBlIjoiTkxSRS5Db21tb24uRG9tLlNvbGlkQ29sb3JCcnVzaCwgTkxSRS5Db21tb24iLCJDb2xvciI6eyIkaWQiOiIxOTYiLCJBIjoyNTUsIlIiOjI1NSwiRyI6MCwiQiI6MH19LCJMaW5lV2VpZ2h0IjowLjAsIkxpbmVUeXBlIjowLCJQYXJlbnRTdHlsZSI6bnVsbH0sIlBhcmVudFN0eWxlIjpudWxsfSwiTWFyZ2luIjp7IiRpZCI6IjE5NyIsIlRvcCI6MC4wLCJMZWZ0IjowLjAsIlJpZ2h0IjowLjAsIkJvdHRvbSI6MC4wfSwiUGFkZGluZyI6eyIkaWQiOiIxOTgiLCJUb3AiOjAuMCwiTGVmdCI6MC4wLCJSaWdodCI6MC4wLCJCb3R0b20iOjAuMH0sIklzVmlzaWJsZSI6ZmFsc2UsIldpZHRoIjowLjAsIkhlaWdodCI6MC4wLCJCb3JkZXJTdHlsZSI6bnVsbCwiUGFyZW50U3R5bGUiOm51bGx9fV0sIklkIjoiOTNiMGIwOGYtZmUwYi00NzYzLWJmNGQtZjkzOGYzOGRmNzE3IiwiSW5kZXgiOjAsIkhlYWRlclRleHQiOiJQcm9qZWN0IFBsYW5uaW5nIiwiU3R5bGUiOnsiJGlkIjoiMTk5IiwiSGVhZGVyU3R5bGUiOnsiJGlkIjoiMjAwIiwiVGV4dElzVmVydGljYWwiOmZhbHNlLCJUZXh0U3R5bGUiOnsiJGlkIjoiMjAxIiwiRm9udFNldHRpbmdzIjp7IiRpZCI6IjIwMiIsIkZvbnRTaXplIjoxMiwiRm9udE5hbWUiOiJDYWxpYnJpIiwiSXNCb2xkIjpmYWxzZSwiSXNJdGFsaWMiOmZhbHNlLCJJc1VuZGVybGluZWQiOmZhbHNlLCJQYXJlbnRTdHlsZSI6bnVsbH0sIkF1dG9TaXplIjoyLCJGb3JlZ3JvdW5kIjp7IiRpZCI6IjIwMyIsIkNvbG9yIjp7IiRpZCI6IjIwNCIsIkEiOjI1NSwiUiI6MjU1LCJHIjoyNTUsIkIiOjI1NX19LCJNYXhXaWR0aCI6MTYwLjAsIk1heEhlaWdodCI6IkluZmluaXR5IiwiU21hcnRGb3JlZ3JvdW5kSXNBY3RpdmUiOmZhbHNlLCJIb3Jpem9udGFsQWxpZ25tZW50IjowLCJWZXJ0aWNhbEFsaWdubWVudCI6MCwiU21hcnRGb3JlZ3JvdW5kIjpudWxsLCJCYWNrZ3JvdW5kRmlsbFR5cGUiOjAsIk1hcmdpbiI6eyIkaWQiOiIyMDUiLCJUb3AiOjAuMCwiTGVmdCI6MC4wLCJSaWdodCI6MC4wLCJCb3R0b20iOjAuMH0sIlBhZGRpbmciOnsiJGlkIjoiMjA2IiwiVG9wIjowLjAsIkxlZnQiOjAuMCwiUmlnaHQiOjAuMCwiQm90dG9tIjowLjB9LCJCYWNrZ3JvdW5kIjpudWxsLCJJc1Zpc2libGUiOnRydWUsIldpZHRoIjowLjAsIkhlaWdodCI6MC4wLCJCb3JkZXJTdHlsZSI6bnVsbCwiUGFyZW50U3R5bGUiOm51bGx9LCJSZWN0YW5nbGVTdHlsZSI6eyIkaWQiOiIyMDciLCJNYXJnaW4iOnsiJGlkIjoiMjA4IiwiVG9wIjowLjAsIkxlZnQiOjAuMCwiUmlnaHQiOjAuMCwiQm90dG9tIjowLjB9LCJQYWRkaW5nIjp7IiRpZCI6IjIwOSIsIlRvcCI6MC4wLCJMZWZ0IjowLjAsIlJpZ2h0IjowLjAsIkJvdHRvbSI6MC4wfSwiQmFja2dyb3VuZCI6eyIkaWQiOiIyMTAiLCJDb2xvciI6eyIkaWQiOiIyMTEiLCJBIjoyNTUsIlIiOjkxLCJHIjoxNTUsIkIiOjIxM319LCJJc1Zpc2libGUiOnRydWUsIldpZHRoIjowLjAsIkhlaWdodCI6MC4wLCJCb3JkZXJTdHlsZSI6eyIkaWQiOiIyMTIiLCJMaW5lQ29sb3IiOnsiJGlkIjoiMjEzIiwiJHR5cGUiOiJOTFJFLkNvbW1vbi5Eb20uU29saWRDb2xvckJydXNoLCBOTFJFLkNvbW1vbiIsIkNvbG9yIjp7IiRpZCI6IjIxNCIsIkEiOjI1NSwiUiI6MjU1LCJHIjowLCJCIjowfX0sIkxpbmVXZWlnaHQiOjAuMCwiTGluZVR5cGUiOjAsIlBhcmVudFN0eWxlIjpudWxsfSwiUGFyZW50U3R5bGUiOm51bGx9LCJNYXJnaW4iOnsiJGlkIjoiMjE1IiwiVG9wIjowLjAsIkxlZnQiOjAuMCwiUmlnaHQiOjAuMCwiQm90dG9tIjowLjB9LCJQYWRkaW5nIjp7IiRpZCI6IjIxNiIsIlRvcCI6MC4wLCJMZWZ0IjowLjAsIlJpZ2h0IjowLjAsIkJvdHRvbSI6MC4wfSwiQmFja2dyb3VuZCI6bnVsbCwiSXNWaXNpYmxlIjp0cnVlLCJXaWR0aCI6MC4wLCJIZWlnaHQiOjAuMCwiQm9yZGVyU3R5bGUiOm51bGwsIlBhcmVudFN0eWxlIjpudWxsfSwiQmFja2dyb3VuZFN0eWxlIjp7IiRpZCI6IjIxNyIsIk1hcmdpbiI6eyIkaWQiOiIyMTgiLCJUb3AiOjAuMCwiTGVmdCI6MC4wLCJSaWdodCI6MC4wLCJCb3R0b20iOjAuMH0sIlBhZGRpbmciOnsiJGlkIjoiMjE5IiwiVG9wIjowLjAsIkxlZnQiOjAuMCwiUmlnaHQiOjAuMCwiQm90dG9tIjowLjB9LCJCYWNrZ3JvdW5kIjp7IiRpZCI6IjIyMCIsIkNvbG9yIjp7IiRpZCI6IjIyMSIsIkEiOjUxLCJSIjoxNjUsIkciOjE2NSwiQiI6MTY1fX0sIklzVmlzaWJsZSI6dHJ1ZSwiV2lkdGgiOjAuMCwiSGVpZ2h0IjowLjAsIkJvcmRlclN0eWxlIjp7IiRpZCI6IjIyMiIsIkxpbmVDb2xvciI6eyIkaWQiOiIyMjMiLCIkdHlwZSI6Ik5MUkUuQ29tbW9uLkRvbS5Tb2xpZENvbG9yQnJ1c2gsIE5MUkUuQ29tbW9uIiwiQ29sb3IiOnsiJGlkIjoiMjI0IiwiQSI6MjU1LCJSIjoyNTUsIkciOjAsIkIiOjB9fSwiTGluZVdlaWdodCI6MC4wLCJMaW5lVHlwZSI6MCwiUGFyZW50U3R5bGUiOm51bGx9LCJQYXJlbnRTdHlsZSI6bnVsbH0sIklzQWJvdmVUaW1lYmFuZCI6ZmFsc2UsIk1hcmdpbiI6eyIkaWQiOiIyMjUiLCJUb3AiOjAuMCwiTGVmdCI6MC4wLCJSaWdodCI6MC4wLCJCb3R0b20iOjAuMH0sIlBhZGRpbmciOnsiJGlkIjoiMjI2IiwiVG9wIjowLjAsIkxlZnQiOjAuMCwiUmlnaHQiOjAuMCwiQm90dG9tIjowLjB9LCJJc1Zpc2libGUiOnRydWUsIldpZHRoIjowLjAsIkhlaWdodCI6MC4wLCJCb3JkZXJTdHlsZSI6eyIkaWQiOiIyMjciLCJMaW5lQ29sb3IiOm51bGwsIkxpbmVXZWlnaHQiOjAuMCwiTGluZVR5cGUiOjAsIlBhcmVudFN0eWxlIjpudWxsfSwiUGFyZW50U3R5bGUiOm51bGx9fSx7IiRpZCI6IjIyOCIsIl9hY3Rpdml0aWVzIjpbeyIkaWQiOiIyMjkiLCJfcm93cyI6W3siJGlkIjoiMjMwIiwiX3Rhc2tzIjpbeyIkaWQiOiIyMzEiLCJfYXR0YWNoZWRNaWxlc3RvbmVzIjpbXSwiVGFza0RlZmluaXRpb24iOnsiJGlkIjoiMjMyIiwiR3JvdXBOYW1lIjpudWxsLCJTdGFydERhdGUiOiIyMDIyLTA0LTE5VDAwOjAwOjAwWiIsIkVuZERhdGUiOiIyMDIyLTA0LTIxVDIzOjU5OjAwWiIsIlBlcmNlbnRhZ2VDb21wbGV0ZSI6bnVsbCwiU3R5bGUiOnsiJGlkIjoiMjMzIiwiU2hhcGUiOjEsIlNoYXBlVGhpY2tuZXNzIjoxLCJEdXJhdGlvbkZvcm1hdCI6MCwiSW5jbHVkZU5vbldvcmtpbmdEYXlzSW5EdXJhdGlvbiI6ZmFsc2UsIlBlcmNlbnRhZ2VDb21wbGV0ZVN0eWxlIjp7IiRpZCI6IjIzNCIsIkZvbnRTZXR0aW5ncyI6eyIkaWQiOiIyMzUiLCJGb250U2l6ZSI6MTAsIkZvbnROYW1lIjoiQ2FsaWJyaSIsIklzQm9sZCI6ZmFsc2UsIklzSXRhbGljIjpmYWxzZSwiSXNVbmRlcmxpbmVkIjpmYWxzZSwiUGFyZW50U3R5bGUiOm51bGx9LCJBdXRvU2l6ZSI6MCwiRm9yZWdyb3VuZCI6eyIkcmVmIjoiMTAifSwiTWF4V2lkdGgiOjIwMC4wLCJNYXhIZWlnaHQiOiJJbmZpbml0eSIsIlNtYXJ0Rm9yZWdyb3VuZElzQWN0aXZlIjpmYWxzZSwiSG9yaXpvbnRhbEFsaWdubWVudCI6MCwiVmVydGljYWxBbGlnbm1lbnQiOjAsIlNtYXJ0Rm9yZWdyb3VuZCI6bnVsbCwiQmFja2dyb3VuZEZpbGxUeXBlIjowLCJNYXJnaW4iOnsiJHJlZiI6IjY3In0sIlBhZGRpbmciOnsiJHJlZiI6IjY4In0sIkJhY2tncm91bmQiOnsiJHJlZiI6IjY5In0sIklzVmlzaWJsZSI6dHJ1ZSwiV2lkdGgiOjAuMCwiSGVpZ2h0IjowLjAsIkJvcmRlclN0eWxlIjp7IiRpZCI6IjIzNiIsIkxpbmVDb2xvciI6bnVsbCwiTGluZVdlaWdodCI6MC4wLCJMaW5lVHlwZSI6MCwiUGFyZW50U3R5bGUiOm51bGx9LCJQYXJlbnRTdHlsZSI6bnVsbH0sIkR1cmF0aW9uU3R5bGUiOnsiJGlkIjoiMjM3IiwiRm9udFNldHRpbmdzIjp7IiRpZCI6IjIzOCIsIkZvbnRTaXplIjoxMCwiRm9udE5hbWUiOiJDYWxpYnJpIiwiSXNCb2xkIjpmYWxzZSwiSXNJdGFsaWMiOmZhbHNlLCJJc1VuZGVybGluZWQiOmZhbHNlLCJQYXJlbnRTdHlsZSI6bnVsbH0sIkF1dG9TaXplIjowLCJGb3JlZ3JvdW5kIjp7IiRyZWYiOiI3NCJ9LCJNYXhXaWR0aCI6MjAwLjAsIk1heEhlaWdodCI6IkluZmluaXR5IiwiU21hcnRGb3JlZ3JvdW5kSXNBY3RpdmUiOmZhbHNlLCJIb3Jpem9udGFsQWxpZ25tZW50IjowLCJWZXJ0aWNhbEFsaWdubWVudCI6MCwiU21hcnRGb3JlZ3JvdW5kIjpudWxsLCJCYWNrZ3JvdW5kRmlsbFR5cGUiOjAsIk1hcmdpbiI6eyIkcmVmIjoiNzYifSwiUGFkZGluZyI6eyIkcmVmIjoiNzcifSwiQmFja2dyb3VuZCI6eyIkcmVmIjoiNzgifSwiSXNWaXNpYmxlIjp0cnVlLCJXaWR0aCI6MC4wLCJIZWlnaHQiOjAuMCwiQm9yZGVyU3R5bGUiOnsiJGlkIjoiMjM5IiwiTGluZUNvbG9yIjpudWxsLCJMaW5lV2VpZ2h0IjowLjAsIkxpbmVUeXBlIjowLCJQYXJlbnRTdHlsZSI6bnVsbH0sIlBhcmVudFN0eWxlIjpudWxsfSwiSG9yaXpvbnRhbENvbm5lY3RvclN0eWxlIjp7IiRpZCI6IjI0MCIsIkxpbmVDb2xvciI6eyIkcmVmIjoiODEifSwiTGluZVdlaWdodCI6MS4wLCJMaW5lVHlwZSI6MCwiUGFyZW50U3R5bGUiOm51bGx9LCJWZXJ0aWNhbENvbm5lY3RvclN0eWxlIjp7IiRpZCI6IjI0MSIsIkxpbmVDb2xvciI6eyIkcmVmIjoiODQifSwiTGluZVdlaWdodCI6MC4wLCJMaW5lVHlwZSI6MCwiUGFyZW50U3R5bGUiOm51bGx9LCJNYXJnaW4iOm51bGwsIlN0YXJ0RGF0ZVBvc2l0aW9uIjozLCJFbmREYXRlUG9zaXRpb24iOjQsIkRhdGVJc1Zpc2libGUiOnRydWUsIlRpdGxlUG9zaXRpb24iOjAsIkR1cmF0aW9uUG9zaXRpb24iOjYsIlBlcmNlbnRhZ2VDb21wbGV0ZWRQb3NpdGlvbiI6NiwiU3BhY2luZyI6NSwiSXNCZWxvd1RpbWViYW5kIjp0cnVlLCJQZXJjZW50YWdlQ29tcGxldGVTaGFwZU9wYWNpdHkiOjM1LCJTaGFwZVN0eWxlIjp7IiRpZCI6IjI0MiIsIk1hcmdpbiI6eyIkcmVmIjoiODcifSwiUGFkZGluZyI6eyIkcmVmIjoiODgifSwiQmFja2dyb3VuZCI6eyIkaWQiOiIyNDMiLCJDb2xvciI6eyIkaWQiOiIyNDQiLCJBIjoyNTUsIlIiOjI2LCJHIjoxNzAsIkIiOjY2fX0sIklzVmlzaWJsZSI6dHJ1ZSwiV2lkdGgiOjAuMCwiSGVpZ2h0IjoxNi4wLCJCb3JkZXJTdHlsZSI6eyIkaWQiOiIyNDUiLCJMaW5lQ29sb3IiOnsiJGlkIjoiMjQ2IiwiJHR5cGUiOiJOTFJFLkNvbW1vbi5Eb20uU29saWRDb2xvckJydXNoLCBOTFJFLkNvbW1vbiIsIkNvbG9yIjp7IiRpZCI6IjI0NyIsIkEiOjI1NSwiUiI6MjU1LCJHIjowLCJCIjowfX0sIkxpbmVXZWlnaHQiOjAuMCwiTGluZVR5cGUiOjAsIlBhcmVudFN0eWxlIjpudWxsfSwiUGFyZW50U3R5bGUiOm51bGx9LCJUaXRsZVN0eWxlIjp7IiRpZCI6IjI0OCIsIkZvbnRTZXR0aW5ncyI6eyIkaWQiOiIyNDkiLCJGb250U2l6ZSI6MTEsIkZvbnROYW1lIjoiQ2FsaWJyaSIsIklzQm9sZCI6dHJ1ZSwiSXNJdGFsaWMiOmZhbHNlLCJJc1VuZGVybGluZWQiOmZhbHNlLCJQYXJlbnRTdHlsZSI6bnVsbH0sIkF1dG9TaXplIjowLCJGb3JlZ3JvdW5kIjp7IiRpZCI6IjI1MCIsIkNvbG9yIjp7IiRpZCI6IjI1MSIsIkEiOjI1NSwiUiI6MCwiRyI6MCwiQiI6MH19LCJNYXhXaWR0aCI6NzIwLjAsIk1heEhlaWdodCI6IkluZmluaXR5IiwiU21hcnRGb3JlZ3JvdW5kSXNBY3RpdmUiOmZhbHNlLCJIb3Jpem9udGFsQWxpZ25tZW50IjowLCJWZXJ0aWNhbEFsaWdubWVudCI6MCwiU21hcnRGb3JlZ3JvdW5kIjpudWxsLCJCYWNrZ3JvdW5kRmlsbFR5cGUiOjAsIk1hcmdpbiI6eyIkcmVmIjoiOTgifSwiUGFkZGluZyI6eyIkcmVmIjoiOTkifSwiQmFja2dyb3VuZCI6eyIkaWQiOiIyNTIiLCJDb2xvciI6eyIkaWQiOiIyNTMiLCJBIjowLCJSIjoyNTUsIkciOjI1NSwiQiI6MjU1fX0sIklzVmlzaWJsZSI6dHJ1ZSwiV2lkdGgiOjAuMCwiSGVpZ2h0IjowLjAsIkJvcmRlclN0eWxlIjp7IiRpZCI6IjI1NCIsIkxpbmVDb2xvciI6bnVsbCwiTGluZVdlaWdodCI6MC4wLCJMaW5lVHlwZSI6MCwiUGFyZW50U3R5bGUiOm51bGx9LCJQYXJlbnRTdHlsZSI6bnVsbH0sIkRhdGVTdHlsZSI6eyIkaWQiOiIyNTUiLCJGb250U2V0dGluZ3MiOnsiJGlkIjoiMjU2IiwiRm9udFNpemUiOjEwLCJGb250TmFtZSI6IkNhbGlicmkiLCJJc0JvbGQiOmZhbHNlLCJJc0l0YWxpYyI6ZmFsc2UsIklzVW5kZXJsaW5lZCI6ZmFsc2UsIlBhcmVudFN0eWxlIjpudWxsfSwiQXV0b1NpemUiOjAsIkZvcmVncm91bmQiOnsiJGlkIjoiMjU3IiwiQ29sb3IiOnsiJGlkIjoiMjU4IiwiQSI6MjU1LCJSIjo2OCwiRyI6ODQsIkIiOjEwNn19LCJNYXhXaWR0aCI6MjAwLjAsIk1heEhlaWdodCI6IkluZmluaXR5IiwiU21hcnRGb3JlZ3JvdW5kSXNBY3RpdmUiOmZhbHNlLCJIb3Jpem9udGFsQWxpZ25tZW50IjoxLCJWZXJ0aWNhbEFsaWdubWVudCI6MCwiU21hcnRGb3JlZ3JvdW5kIjpudWxsLCJCYWNrZ3JvdW5kRmlsbFR5cGUiOjAsIk1hcmdpbiI6eyIkcmVmIjoiMTA3In0sIlBhZGRpbmciOnsiJHJlZiI6IjEwOCJ9LCJCYWNrZ3JvdW5kIjp7IiRpZCI6IjI1OSIsIkNvbG9yIjp7IiRpZCI6IjI2MCIsIkEiOjAsIlIiOjI1NSwiRyI6MjU1LCJCIjoyNTV9fSwiSXNWaXNpYmxlIjp0cnVlLCJXaWR0aCI6MC4wLCJIZWlnaHQiOjAuMCwiQm9yZGVyU3R5bGUiOnsiJGlkIjoiMjYxIiwiTGluZUNvbG9yIjpudWxsLCJMaW5lV2VpZ2h0IjowLjAsIkxpbmVUeXBlIjowLCJQYXJlbnRTdHlsZSI6bnVsbH0sIlBhcmVudFN0eWxlIjpudWxsfSwiRGF0ZUZvcm1hdCI6eyIkaWQiOiIyNjIiLCJGb3JtYXRTdHJpbmciOiJNTU0gZCIsIlNlcGFyYXRvciI6Ii8iLCJVc2VJbnRlcm5hdGlvbmFsRGF0ZUZvcm1hdCI6ZmFsc2UsIkRhdGVJc1Zpc2libGUiOnRydWUsIlRpbWVJc1Zpc2libGUiOmZhbHNlLCJIb3VyRGlnaXRzIjoxLCJBbVBtRGVzaWduYXRvciI6MiwiVHJpbTAwTWludXRlcyI6ZmFsc2UsIkxhc3RLbm93blZpc2liaWxpdHlTdGF0ZSI6bnVsbH0sIldlZWtOdW1iZXJpbmciOnsiJGlkIjoiMjYzIiwiRm9ybWF0IjowLCJJc1Zpc2libGUiOmZhbHNlLCJMYXN0S25vd25WaXNpYmlsaXR5U3RhdGUiOmZhbHNlfSwiSXNWaXNpYmxlIjp0cnVlLCJQYXJlbnRTdHlsZSI6bnVsbH0sIkluZGV4Ijo1LCJTbWFydER1cmF0aW9uQWN0aXZhdGVkIjpmYWxzZSwiRGF0ZUZvcm1hdCI6eyIkcmVmIjoiMjYyIn0sIldlZWtOdW1iZXJpbmciOnsiJGlkIjoiMjY0IiwiRm9ybWF0IjowLCJJc1Zpc2libGUiOmZhbHNlLCJMYXN0S25vd25WaXNpYmlsaXR5U3RhdGUiOmZhbHNlfSwiSWQiOiI1YjUxMmJjZC05NmVhLTQ3YTUtYjNhZi03OTNlNmU5YTNkYjMiLCJJbXBvcnRJZCI6bnVsbCwiVGl0bGUiOiJXaXJlRnJhbWUiLCJOb3RlIjpudWxsLCJIeXBlcmxpbmsiOnsiJGlkIjoiMjY1IiwiQWRkcmVzcyI6IiIsIlN1YkFkZHJlc3MiOiIifSwiSXNDaGFuZ2VkIjpmYWxzZSwiSXNOZXciOmZhbHNlfX1dLCJfbWlsZXN0b25lcyI6W10sIklkIjoiMDAwMDAwMDAtMDAwMC0wMDAwLTAwMDAtMDAwMDAwMDAwMDAwIiwiSXNTaW5nbGVJdGVtUm93Ijp0cnVlfSx7IiRpZCI6IjI2NiIsIl90YXNrcyI6W3siJGlkIjoiMjY3IiwiX2F0dGFjaGVkTWlsZXN0b25lcyI6W10sIlRhc2tEZWZpbml0aW9uIjp7IiRpZCI6IjI2OCIsIkdyb3VwTmFtZSI6bnVsbCwiU3RhcnREYXRlIjoiMjAyMi0wNC0yM1QwMDowMDowMFoiLCJFbmREYXRlIjoiMjAyMi0wNC0yNlQyMzo1OTowMFoiLCJQZXJjZW50YWdlQ29tcGxldGUiOm51bGwsIlN0eWxlIjp7IiRpZCI6IjI2OSIsIlNoYXBlIjoxLCJTaGFwZVRoaWNrbmVzcyI6MSwiRHVyYXRpb25Gb3JtYXQiOjAsIkluY2x1ZGVOb25Xb3JraW5nRGF5c0luRHVyYXRpb24iOmZhbHNlLCJQZXJjZW50YWdlQ29tcGxldGVTdHlsZSI6eyIkaWQiOiIyNzAiLCJGb250U2V0dGluZ3MiOnsiJGlkIjoiMjcxIiwiRm9udFNpemUiOjEwLCJGb250TmFtZSI6IkNhbGlicmkiLCJJc0JvbGQiOmZhbHNlLCJJc0l0YWxpYyI6ZmFsc2UsIklzVW5kZXJsaW5lZCI6ZmFsc2UsIlBhcmVudFN0eWxlIjpudWxsfSwiQXV0b1NpemUiOjAsIkZvcmVncm91bmQiOnsiJHJlZiI6IjEwIn0sIk1heFdpZHRoIjoyMDAuMCwiTWF4SGVpZ2h0IjoiSW5maW5pdHkiLCJTbWFydEZvcmVncm91bmRJc0FjdGl2ZSI6ZmFsc2UsIkhvcml6b250YWxBbGlnbm1lbnQiOjAsIlZlcnRpY2FsQWxpZ25tZW50IjowLCJTbWFydEZvcmVncm91bmQiOm51bGwsIkJhY2tncm91bmRGaWxsVHlwZSI6MCwiTWFyZ2luIjp7IiRyZWYiOiI2NyJ9LCJQYWRkaW5nIjp7IiRyZWYiOiI2OCJ9LCJCYWNrZ3JvdW5kIjp7IiRyZWYiOiI2OSJ9LCJJc1Zpc2libGUiOnRydWUsIldpZHRoIjowLjAsIkhlaWdodCI6MC4wLCJCb3JkZXJTdHlsZSI6eyIkaWQiOiIyNzIiLCJMaW5lQ29sb3IiOm51bGwsIkxpbmVXZWlnaHQiOjAuMCwiTGluZVR5cGUiOjAsIlBhcmVudFN0eWxlIjpudWxsfSwiUGFyZW50U3R5bGUiOm51bGx9LCJEdXJhdGlvblN0eWxlIjp7IiRpZCI6IjI3MyIsIkZvbnRTZXR0aW5ncyI6eyIkaWQiOiIyNzQiLCJGb250U2l6ZSI6MTAsIkZvbnROYW1lIjoiQ2FsaWJyaSIsIklzQm9sZCI6ZmFsc2UsIklzSXRhbGljIjpmYWxzZSwiSXNVbmRlcmxpbmVkIjpmYWxzZSwiUGFyZW50U3R5bGUiOm51bGx9LCJBdXRvU2l6ZSI6MCwiRm9yZWdyb3VuZCI6eyIkcmVmIjoiNzQifSwiTWF4V2lkdGgiOjIwMC4wLCJNYXhIZWlnaHQiOiJJbmZpbml0eSIsIlNtYXJ0Rm9yZWdyb3VuZElzQWN0aXZlIjpmYWxzZSwiSG9yaXpvbnRhbEFsaWdubWVudCI6MCwiVmVydGljYWxBbGlnbm1lbnQiOjAsIlNtYXJ0Rm9yZWdyb3VuZCI6bnVsbCwiQmFja2dyb3VuZEZpbGxUeXBlIjowLCJNYXJnaW4iOnsiJHJlZiI6Ijc2In0sIlBhZGRpbmciOnsiJHJlZiI6Ijc3In0sIkJhY2tncm91bmQiOnsiJHJlZiI6Ijc4In0sIklzVmlzaWJsZSI6dHJ1ZSwiV2lkdGgiOjAuMCwiSGVpZ2h0IjowLjAsIkJvcmRlclN0eWxlIjp7IiRpZCI6IjI3NSIsIkxpbmVDb2xvciI6bnVsbCwiTGluZVdlaWdodCI6MC4wLCJMaW5lVHlwZSI6MCwiUGFyZW50U3R5bGUiOm51bGx9LCJQYXJlbnRTdHlsZSI6bnVsbH0sIkhvcml6b250YWxDb25uZWN0b3JTdHlsZSI6eyIkaWQiOiIyNzYiLCJMaW5lQ29sb3IiOnsiJHJlZiI6IjgxIn0sIkxpbmVXZWlnaHQiOjEuMCwiTGluZVR5cGUiOjAsIlBhcmVudFN0eWxlIjpudWxsfSwiVmVydGljYWxDb25uZWN0b3JTdHlsZSI6eyIkaWQiOiIyNzciLCJMaW5lQ29sb3IiOnsiJHJlZiI6Ijg0In0sIkxpbmVXZWlnaHQiOjAuMCwiTGluZVR5cGUiOjAsIlBhcmVudFN0eWxlIjpudWxsfSwiTWFyZ2luIjpudWxsLCJTdGFydERhdGVQb3NpdGlvbiI6MywiRW5kRGF0ZVBvc2l0aW9uIjo0LCJEYXRlSXNWaXNpYmxlIjp0cnVlLCJUaXRsZVBvc2l0aW9uIjowLCJEdXJhdGlvblBvc2l0aW9uIjo2LCJQZXJjZW50YWdlQ29tcGxldGVkUG9zaXRpb24iOjYsIlNwYWNpbmciOjUsIklzQmVsb3dUaW1lYmFuZCI6dHJ1ZSwiUGVyY2VudGFnZUNvbXBsZXRlU2hhcGVPcGFjaXR5IjozNSwiU2hhcGVTdHlsZSI6eyIkaWQiOiIyNzgiLCJNYXJnaW4iOnsiJHJlZiI6Ijg3In0sIlBhZGRpbmciOnsiJHJlZiI6Ijg4In0sIkJhY2tncm91bmQiOnsiJGlkIjoiMjc5IiwiQ29sb3IiOnsiJGlkIjoiMjgwIiwiQSI6MjU1LCJSIjoyNiwiRyI6MTcwLCJCIjo2Nn19LCJJc1Zpc2libGUiOnRydWUsIldpZHRoIjowLjAsIkhlaWdodCI6MTYuMCwiQm9yZGVyU3R5bGUiOnsiJGlkIjoiMjgxIiwiTGluZUNvbG9yIjp7IiRpZCI6IjI4MiIsIiR0eXBlIjoiTkxSRS5Db21tb24uRG9tLlNvbGlkQ29sb3JCcnVzaCwgTkxSRS5Db21tb24iLCJDb2xvciI6eyIkaWQiOiIyODMiLCJBIjoyNTUsIlIiOjI1NSwiRyI6MCwiQiI6MH19LCJMaW5lV2VpZ2h0IjowLjAsIkxpbmVUeXBlIjowLCJQYXJlbnRTdHlsZSI6bnVsbH0sIlBhcmVudFN0eWxlIjpudWxsfSwiVGl0bGVTdHlsZSI6eyIkaWQiOiIyODQiLCJGb250U2V0dGluZ3MiOnsiJGlkIjoiMjg1IiwiRm9udFNpemUiOjExLCJGb250TmFtZSI6IkNhbGlicmkiLCJJc0JvbGQiOnRydWUsIklzSXRhbGljIjpmYWxzZSwiSXNVbmRlcmxpbmVkIjpmYWxzZSwiUGFyZW50U3R5bGUiOm51bGx9LCJBdXRvU2l6ZSI6MCwiRm9yZWdyb3VuZCI6eyIkaWQiOiIyODYiLCJDb2xvciI6eyIkaWQiOiIyODciLCJBIjoyNTUsIlIiOjAsIkciOjAsIkIiOjB9fSwiTWF4V2lkdGgiOjcyMC4wLCJNYXhIZWlnaHQiOiJJbmZpbml0eSIsIlNtYXJ0Rm9yZWdyb3VuZElzQWN0aXZlIjpmYWxzZSwiSG9yaXpvbnRhbEFsaWdubWVudCI6MCwiVmVydGljYWxBbGlnbm1lbnQiOjAsIlNtYXJ0Rm9yZWdyb3VuZCI6bnVsbCwiQmFja2dyb3VuZEZpbGxUeXBlIjowLCJNYXJnaW4iOnsiJHJlZiI6Ijk4In0sIlBhZGRpbmciOnsiJHJlZiI6Ijk5In0sIkJhY2tncm91bmQiOnsiJGlkIjoiMjg4IiwiQ29sb3IiOnsiJGlkIjoiMjg5IiwiQSI6MCwiUiI6MjU1LCJHIjoyNTUsIkIiOjI1NX19LCJJc1Zpc2libGUiOnRydWUsIldpZHRoIjowLjAsIkhlaWdodCI6MC4wLCJCb3JkZXJTdHlsZSI6eyIkaWQiOiIyOTAiLCJMaW5lQ29sb3IiOm51bGwsIkxpbmVXZWlnaHQiOjAuMCwiTGluZVR5cGUiOjAsIlBhcmVudFN0eWxlIjpudWxsfSwiUGFyZW50U3R5bGUiOm51bGx9LCJEYXRlU3R5bGUiOnsiJGlkIjoiMjkxIiwiRm9udFNldHRpbmdzIjp7IiRpZCI6IjI5MiIsIkZvbnRTaXplIjoxMCwiRm9udE5hbWUiOiJDYWxpYnJpIiwiSXNCb2xkIjpmYWxzZSwiSXNJdGFsaWMiOmZhbHNlLCJJc1VuZGVybGluZWQiOmZhbHNlLCJQYXJlbnRTdHlsZSI6bnVsbH0sIkF1dG9TaXplIjowLCJGb3JlZ3JvdW5kIjp7IiRpZCI6IjI5MyIsIkNvbG9yIjp7IiRpZCI6IjI5NCIsIkEiOjI1NSwiUiI6NjgsIkciOjg0LCJCIjoxMDZ9fSwiTWF4V2lkdGgiOjIwMC4wLCJNYXhIZWlnaHQiOiJJbmZpbml0eSIsIlNtYXJ0Rm9yZWdyb3VuZElzQWN0aXZlIjpmYWxzZSwiSG9yaXpvbnRhbEFsaWdubWVudCI6MSwiVmVydGljYWxBbGlnbm1lbnQiOjAsIlNtYXJ0Rm9yZWdyb3VuZCI6bnVsbCwiQmFja2dyb3VuZEZpbGxUeXBlIjowLCJNYXJnaW4iOnsiJHJlZiI6IjEwNyJ9LCJQYWRkaW5nIjp7IiRyZWYiOiIxMDgifSwiQmFja2dyb3VuZCI6eyIkaWQiOiIyOTUiLCJDb2xvciI6eyIkaWQiOiIyOTYiLCJBIjowLCJSIjoyNTUsIkciOjI1NSwiQiI6MjU1fX0sIklzVmlzaWJsZSI6dHJ1ZSwiV2lkdGgiOjAuMCwiSGVpZ2h0IjowLjAsIkJvcmRlclN0eWxlIjp7IiRpZCI6IjI5NyIsIkxpbmVDb2xvciI6bnVsbCwiTGluZVdlaWdodCI6MC4wLCJMaW5lVHlwZSI6MCwiUGFyZW50U3R5bGUiOm51bGx9LCJQYXJlbnRTdHlsZSI6bnVsbH0sIkRhdGVGb3JtYXQiOnsiJGlkIjoiMjk4IiwiRm9ybWF0U3RyaW5nIjoiTU1NIGQiLCJTZXBhcmF0b3IiOiIvIiwiVXNlSW50ZXJuYXRpb25hbERhdGVGb3JtYXQiOmZhbHNlLCJEYXRlSXNWaXNpYmxlIjp0cnVlLCJUaW1lSXNWaXNpYmxlIjpmYWxzZSwiSG91ckRpZ2l0cyI6MSwiQW1QbURlc2lnbmF0b3IiOjIsIlRyaW0wME1pbnV0ZXMiOmZhbHNlLCJMYXN0S25vd25WaXNpYmlsaXR5U3RhdGUiOm51bGx9LCJXZWVrTnVtYmVyaW5nIjp7IiRpZCI6IjI5OSIsIkZvcm1hdCI6MCwiSXNWaXNpYmxlIjpmYWxzZSwiTGFzdEtub3duVmlzaWJpbGl0eVN0YXRlIjpmYWxzZX0sIklzVmlzaWJsZSI6dHJ1ZSwiUGFyZW50U3R5bGUiOm51bGx9LCJJbmRleCI6NiwiU21hcnREdXJhdGlvbkFjdGl2YXRlZCI6ZmFsc2UsIkRhdGVGb3JtYXQiOnsiJHJlZiI6IjI5OCJ9LCJXZWVrTnVtYmVyaW5nIjp7IiRpZCI6IjMwMCIsIkZvcm1hdCI6MCwiSXNWaXNpYmxlIjpmYWxzZSwiTGFzdEtub3duVmlzaWJpbGl0eVN0YXRlIjpmYWxzZX0sIklkIjoiZWFlMDJmNmItNDQ5My00NDMxLTljYTgtYmIzMDVlZjg3NWEzIiwiSW1wb3J0SWQiOm51bGwsIlRpdGxlIjoiU2VxdWVuY2UgRGlhZ3JhbSIsIk5vdGUiOm51bGwsIkh5cGVybGluayI6eyIkaWQiOiIzMDEiLCJBZGRyZXNzIjoiIiwiU3ViQWRkcmVzcyI6IiJ9LCJJc0NoYW5nZWQiOmZhbHNlLCJJc05ldyI6ZmFsc2V9fV0sIl9taWxlc3RvbmVzIjpbXSwiSWQiOiIwMDAwMDAwMC0wMDAwLTAwMDAtMDAwMC0wMDAwMDAwMDAwMDAiLCJJc1NpbmdsZUl0ZW1Sb3ciOnRydWV9XSwiSW5kZXgiOjQsIklkIjoiZGMwNzZmY2QtZDFiZS00MjA3LWI1ZjktMzgxNWIzOGNkOTFlIiwiSGVhZGVyVGV4dCI6bnVsbCwiSXNEZWZhdWx0Ijp0cnVlLCJTdHlsZSI6eyIkaWQiOiIzMDIiLCJIZWFkZXJTdHlsZSI6eyIkaWQiOiIzMDMiLCJUZXh0U3R5bGUiOnsiJGlkIjoiMzA0IiwiRm9udFNldHRpbmdzIjp7IiRpZCI6IjMwNSIsIkZvbnRTaXplIjoxMSwiRm9udE5hbWUiOiJDYWxpYnJpIiwiSXNCb2xkIjpmYWxzZSwiSXNJdGFsaWMiOmZhbHNlLCJJc1VuZGVybGluZWQiOmZhbHNlLCJQYXJlbnRTdHlsZSI6bnVsbH0sIkF1dG9TaXplIjoyLCJGb3JlZ3JvdW5kIjp7IiRpZCI6IjMwNiIsIkNvbG9yIjp7IiRpZCI6IjMwNyIsIkEiOjI1NSwiUiI6MCwiRyI6MCwiQiI6MH19LCJNYXhXaWR0aCI6MC4wLCJNYXhIZWlnaHQiOiJJbmZpbml0eSIsIlNtYXJ0Rm9yZWdyb3VuZElzQWN0aXZlIjpmYWxzZSwiSG9yaXpvbnRhbEFsaWdubWVudCI6MCwiVmVydGljYWxBbGlnbm1lbnQiOjAsIlNtYXJ0Rm9yZWdyb3VuZCI6bnVsbCwiQmFja2dyb3VuZEZpbGxUeXBlIjowLCJNYXJnaW4iOnsiJGlkIjoiMzA4IiwiVG9wIjowLjAsIkxlZnQiOjAuMCwiUmlnaHQiOjAuMCwiQm90dG9tIjowLjB9LCJQYWRkaW5nIjp7IiRpZCI6IjMwOSIsIlRvcCI6MC4wLCJMZWZ0IjowLjAsIlJpZ2h0IjowLjAsIkJvdHRvbSI6MC4wfSwiQmFja2dyb3VuZCI6bnVsbCwiSXNWaXNpYmxlIjp0cnVlLCJXaWR0aCI6MC4wLCJIZWlnaHQiOjAuMCwiQm9yZGVyU3R5bGUiOm51bGwsIlBhcmVudFN0eWxlIjpudWxsfSwiUmVjdGFuZ2xlU3R5bGUiOnsiJGlkIjoiMzEwIiwiTWFyZ2luIjp7IiRpZCI6IjMxMSIsIlRvcCI6MC4wLCJMZWZ0IjowLjAsIlJpZ2h0IjowLjAsIkJvdHRvbSI6MC4wfSwiUGFkZGluZyI6eyIkaWQiOiIzMTIiLCJUb3AiOjAuMCwiTGVmdCI6MC4wLCJSaWdodCI6MC4wLCJCb3R0b20iOjAuMH0sIkJhY2tncm91bmQiOnsiJGlkIjoiMzEzIiwiQ29sb3IiOnsiJGlkIjoiMzE0IiwiQSI6NjMsIlIiOjIzNywiRyI6MTI1LCJCIjo0OX19LCJJc1Zpc2libGUiOnRydWUsIldpZHRoIjowLjAsIkhlaWdodCI6MC4wLCJCb3JkZXJTdHlsZSI6eyIkaWQiOiIzMTUiLCJMaW5lQ29sb3IiOnsiJGlkIjoiMzE2IiwiJHR5cGUiOiJOTFJFLkNvbW1vbi5Eb20uU29saWRDb2xvckJydXNoLCBOTFJFLkNvbW1vbiIsIkNvbG9yIjp7IiRpZCI6IjMxNyIsIkEiOjI1NSwiUiI6MjU1LCJHIjowLCJCIjowfX0sIkxpbmVXZWlnaHQiOjAuMCwiTGluZVR5cGUiOjAsIlBhcmVudFN0eWxlIjpudWxsfSwiUGFyZW50U3R5bGUiOm51bGx9LCJNYXJnaW4iOnsiJGlkIjoiMzE4IiwiVG9wIjowLjAsIkxlZnQiOjAuMCwiUmlnaHQiOjAuMCwiQm90dG9tIjowLjB9LCJQYWRkaW5nIjp7IiRpZCI6IjMxOSIsIlRvcCI6MC4wLCJMZWZ0IjowLjAsIlJpZ2h0IjowLjAsIkJvdHRvbSI6MC4wfSwiQmFja2dyb3VuZCI6bnVsbCwiSXNWaXNpYmxlIjp0cnVlLCJXaWR0aCI6MC4wLCJIZWlnaHQiOjAuMCwiQm9yZGVyU3R5bGUiOm51bGwsIlBhcmVudFN0eWxlIjpudWxsfSwiQmFja2dyb3VuZFN0eWxlIjp7IiRpZCI6IjMyMCIsIk1hcmdpbiI6eyIkaWQiOiIzMjEiLCJUb3AiOjAuMCwiTGVmdCI6MC4wLCJSaWdodCI6MC4wLCJCb3R0b20iOjAuMH0sIlBhZGRpbmciOnsiJGlkIjoiMzIyIiwiVG9wIjowLjAsIkxlZnQiOjAuMCwiUmlnaHQiOjAuMCwiQm90dG9tIjowLjB9LCJCYWNrZ3JvdW5kIjp7IiRpZCI6IjMyMyIsIkNvbG9yIjp7IiRpZCI6IjMyNCIsIkEiOjUxLCJSIjoxNjUsIkciOjE2NSwiQiI6MTY1fX0sIklzVmlzaWJsZSI6dHJ1ZSwiV2lkdGgiOjAuMCwiSGVpZ2h0IjowLjAsIkJvcmRlclN0eWxlIjp7IiRpZCI6IjMyNSIsIkxpbmVDb2xvciI6eyIkaWQiOiIzMjYiLCIkdHlwZSI6Ik5MUkUuQ29tbW9uLkRvbS5Tb2xpZENvbG9yQnJ1c2gsIE5MUkUuQ29tbW9uIiwiQ29sb3IiOnsiJGlkIjoiMzI3IiwiQSI6MjU1LCJSIjoyNTUsIkciOjAsIkIiOjB9fSwiTGluZVdlaWdodCI6MC4wLCJMaW5lVHlwZSI6MCwiUGFyZW50U3R5bGUiOm51bGx9LCJQYXJlbnRTdHlsZSI6bnVsbH0sIk1hcmdpbiI6eyIkaWQiOiIzMjgiLCJUb3AiOjAuMCwiTGVmdCI6MC4wLCJSaWdodCI6MC4wLCJCb3R0b20iOjAuMH0sIlBhZGRpbmciOnsiJGlkIjoiMzI5IiwiVG9wIjowLjAsIkxlZnQiOjAuMCwiUmlnaHQiOjAuMCwiQm90dG9tIjowLjB9LCJJc1Zpc2libGUiOmZhbHNlLCJXaWR0aCI6MC4wLCJIZWlnaHQiOjAuMCwiQm9yZGVyU3R5bGUiOm51bGwsIlBhcmVudFN0eWxlIjpudWxsfX1dLCJJZCI6ImUyMGFjNmMzLWNhMGYtNDVkZC1iYjQ5LTViMThhYmExOGEzZCIsIkluZGV4Ijo0LCJIZWFkZXJUZXh0IjoiU29mdHdhcmUgQXJjaGl0ZWN0dXJlIiwiU3R5bGUiOnsiJGlkIjoiMzMwIiwiSGVhZGVyU3R5bGUiOnsiJGlkIjoiMzMxIiwiVGV4dElzVmVydGljYWwiOmZhbHNlLCJUZXh0U3R5bGUiOnsiJGlkIjoiMzMyIiwiRm9udFNldHRpbmdzIjp7IiRpZCI6IjMzMyIsIkZvbnRTaXplIjoxMiwiRm9udE5hbWUiOiJDYWxpYnJpIiwiSXNCb2xkIjpmYWxzZSwiSXNJdGFsaWMiOmZhbHNlLCJJc1VuZGVybGluZWQiOmZhbHNlLCJQYXJlbnRTdHlsZSI6bnVsbH0sIkF1dG9TaXplIjoyLCJGb3JlZ3JvdW5kIjp7IiRyZWYiOiIyMDMifSwiTWF4V2lkdGgiOjE2MC4wLCJNYXhIZWlnaHQiOiJJbmZpbml0eSIsIlNtYXJ0Rm9yZWdyb3VuZElzQWN0aXZlIjpmYWxzZSwiSG9yaXpvbnRhbEFsaWdubWVudCI6MCwiVmVydGljYWxBbGlnbm1lbnQiOjAsIlNtYXJ0Rm9yZWdyb3VuZCI6bnVsbCwiQmFja2dyb3VuZEZpbGxUeXBlIjowLCJNYXJnaW4iOnsiJHJlZiI6IjIwNSJ9LCJQYWRkaW5nIjp7IiRyZWYiOiIyMDYifSwiQmFja2dyb3VuZCI6bnVsbCwiSXNWaXNpYmxlIjp0cnVlLCJXaWR0aCI6MC4wLCJIZWlnaHQiOjAuMCwiQm9yZGVyU3R5bGUiOm51bGwsIlBhcmVudFN0eWxlIjpudWxsfSwiUmVjdGFuZ2xlU3R5bGUiOnsiJGlkIjoiMzM0IiwiTWFyZ2luIjp7IiRpZCI6IjMzNSIsIlRvcCI6MC4wLCJMZWZ0IjowLjAsIlJpZ2h0IjowLjAsIkJvdHRvbSI6MC4wfSwiUGFkZGluZyI6eyIkaWQiOiIzMzYiLCJUb3AiOjAuMCwiTGVmdCI6MC4wLCJSaWdodCI6MC4wLCJCb3R0b20iOjAuMH0sIkJhY2tncm91bmQiOnsiJGlkIjoiMzM3IiwiQ29sb3IiOnsiJGlkIjoiMzM4IiwiQSI6MjU1LCJSIjoyMzcsIkciOjEyNSwiQiI6NDl9fSwiSXNWaXNpYmxlIjp0cnVlLCJXaWR0aCI6MC4wLCJIZWlnaHQiOjAuMCwiQm9yZGVyU3R5bGUiOnsiJGlkIjoiMzM5IiwiTGluZUNvbG9yIjp7IiRpZCI6IjM0MCIsIiR0eXBlIjoiTkxSRS5Db21tb24uRG9tLlNvbGlkQ29sb3JCcnVzaCwgTkxSRS5Db21tb24iLCJDb2xvciI6eyIkaWQiOiIzNDEiLCJBIjoyNTUsIlIiOjI1NSwiRyI6MCwiQiI6MH19LCJMaW5lV2VpZ2h0IjowLjAsIkxpbmVUeXBlIjowLCJQYXJlbnRTdHlsZSI6bnVsbH0sIlBhcmVudFN0eWxlIjpudWxsfSwiTWFyZ2luIjp7IiRpZCI6IjM0MiIsIlRvcCI6MC4wLCJMZWZ0IjowLjAsIlJpZ2h0IjowLjAsIkJvdHRvbSI6MC4wfSwiUGFkZGluZyI6eyIkaWQiOiIzNDMiLCJUb3AiOjAuMCwiTGVmdCI6MC4wLCJSaWdodCI6MC4wLCJCb3R0b20iOjAuMH0sIkJhY2tncm91bmQiOm51bGwsIklzVmlzaWJsZSI6dHJ1ZSwiV2lkdGgiOjAuMCwiSGVpZ2h0IjowLjAsIkJvcmRlclN0eWxlIjpudWxsLCJQYXJlbnRTdHlsZSI6bnVsbH0sIkJhY2tncm91bmRTdHlsZSI6eyIkaWQiOiIzNDQiLCJNYXJnaW4iOnsiJGlkIjoiMzQ1IiwiVG9wIjowLjAsIkxlZnQiOjAuMCwiUmlnaHQiOjAuMCwiQm90dG9tIjowLjB9LCJQYWRkaW5nIjp7IiRpZCI6IjM0NiIsIlRvcCI6MC4wLCJMZWZ0IjowLjAsIlJpZ2h0IjowLjAsIkJvdHRvbSI6MC4wfSwiQmFja2dyb3VuZCI6eyIkaWQiOiIzNDciLCJDb2xvciI6eyIkaWQiOiIzNDgiLCJBIjo1MSwiUiI6MTY1LCJHIjoxNjUsIkIiOjE2NX19LCJJc1Zpc2libGUiOnRydWUsIldpZHRoIjowLjAsIkhlaWdodCI6MC4wLCJCb3JkZXJTdHlsZSI6eyIkaWQiOiIzNDkiLCJMaW5lQ29sb3IiOnsiJGlkIjoiMzUwIiwiJHR5cGUiOiJOTFJFLkNvbW1vbi5Eb20uU29saWRDb2xvckJydXNoLCBOTFJFLkNvbW1vbiIsIkNvbG9yIjp7IiRpZCI6IjM1MSIsIkEiOjI1NSwiUiI6MjU1LCJHIjowLCJCIjowfX0sIkxpbmVXZWlnaHQiOjAuMCwiTGluZVR5cGUiOjAsIlBhcmVudFN0eWxlIjpudWxsfSwiUGFyZW50U3R5bGUiOm51bGx9LCJJc0Fib3ZlVGltZWJhbmQiOmZhbHNlLCJNYXJnaW4iOnsiJGlkIjoiMzUyIiwiVG9wIjowLjAsIkxlZnQiOjAuMCwiUmlnaHQiOjAuMCwiQm90dG9tIjowLjB9LCJQYWRkaW5nIjp7IiRpZCI6IjM1MyIsIlRvcCI6MC4wLCJMZWZ0IjowLjAsIlJpZ2h0IjowLjAsIkJvdHRvbSI6MC4wfSwiSXNWaXNpYmxlIjp0cnVlLCJXaWR0aCI6MC4wLCJIZWlnaHQiOjAuMCwiQm9yZGVyU3R5bGUiOnsiJGlkIjoiMzU0IiwiTGluZUNvbG9yIjpudWxsLCJMaW5lV2VpZ2h0IjowLjAsIkxpbmVUeXBlIjowLCJQYXJlbnRTdHlsZSI6bnVsbH0sIlBhcmVudFN0eWxlIjpudWxsfX0seyIkaWQiOiIzNTUiLCJfYWN0aXZpdGllcyI6W3siJGlkIjoiMzU2IiwiX3Jvd3MiOlt7IiRpZCI6IjM1NyIsIl90YXNrcyI6W3siJGlkIjoiMzU4IiwiX2F0dGFjaGVkTWlsZXN0b25lcyI6W10sIlRhc2tEZWZpbml0aW9uIjp7IiRpZCI6IjM1OSIsIkdyb3VwTmFtZSI6bnVsbCwiU3RhcnREYXRlIjoiMjAyMi0wNC0yNFQwMDowMDowMFoiLCJFbmREYXRlIjoiMjAyMi0wNC0yOVQyMzo1OTowMFoiLCJQZXJjZW50YWdlQ29tcGxldGUiOm51bGwsIlN0eWxlIjp7IiRpZCI6IjM2MCIsIlNoYXBlIjoxLCJTaGFwZVRoaWNrbmVzcyI6MSwiRHVyYXRpb25Gb3JtYXQiOjAsIkluY2x1ZGVOb25Xb3JraW5nRGF5c0luRHVyYXRpb24iOmZhbHNlLCJQZXJjZW50YWdlQ29tcGxldGVTdHlsZSI6eyIkaWQiOiIzNjEiLCJGb250U2V0dGluZ3MiOnsiJGlkIjoiMzYyIiwiRm9udFNpemUiOjEwLCJGb250TmFtZSI6IkNhbGlicmkiLCJJc0JvbGQiOmZhbHNlLCJJc0l0YWxpYyI6ZmFsc2UsIklzVW5kZXJsaW5lZCI6ZmFsc2UsIlBhcmVudFN0eWxlIjpudWxsfSwiQXV0b1NpemUiOjAsIkZvcmVncm91bmQiOnsiJHJlZiI6IjEwIn0sIk1heFdpZHRoIjoyMDAuMCwiTWF4SGVpZ2h0IjoiSW5maW5pdHkiLCJTbWFydEZvcmVncm91bmRJc0FjdGl2ZSI6ZmFsc2UsIkhvcml6b250YWxBbGlnbm1lbnQiOjAsIlZlcnRpY2FsQWxpZ25tZW50IjowLCJTbWFydEZvcmVncm91bmQiOm51bGwsIkJhY2tncm91bmRGaWxsVHlwZSI6MCwiTWFyZ2luIjp7IiRyZWYiOiI2NyJ9LCJQYWRkaW5nIjp7IiRyZWYiOiI2OCJ9LCJCYWNrZ3JvdW5kIjp7IiRyZWYiOiI2OSJ9LCJJc1Zpc2libGUiOnRydWUsIldpZHRoIjowLjAsIkhlaWdodCI6MC4wLCJCb3JkZXJTdHlsZSI6eyIkaWQiOiIzNjMiLCJMaW5lQ29sb3IiOm51bGwsIkxpbmVXZWlnaHQiOjAuMCwiTGluZVR5cGUiOjAsIlBhcmVudFN0eWxlIjpudWxsfSwiUGFyZW50U3R5bGUiOm51bGx9LCJEdXJhdGlvblN0eWxlIjp7IiRpZCI6IjM2NCIsIkZvbnRTZXR0aW5ncyI6eyIkaWQiOiIzNjUiLCJGb250U2l6ZSI6MTAsIkZvbnROYW1lIjoiQ2FsaWJyaSIsIklzQm9sZCI6ZmFsc2UsIklzSXRhbGljIjpmYWxzZSwiSXNVbmRlcmxpbmVkIjpmYWxzZSwiUGFyZW50U3R5bGUiOm51bGx9LCJBdXRvU2l6ZSI6MCwiRm9yZWdyb3VuZCI6eyIkcmVmIjoiNzQifSwiTWF4V2lkdGgiOjIwMC4wLCJNYXhIZWlnaHQiOiJJbmZpbml0eSIsIlNtYXJ0Rm9yZWdyb3VuZElzQWN0aXZlIjpmYWxzZSwiSG9yaXpvbnRhbEFsaWdubWVudCI6MCwiVmVydGljYWxBbGlnbm1lbnQiOjAsIlNtYXJ0Rm9yZWdyb3VuZCI6bnVsbCwiQmFja2dyb3VuZEZpbGxUeXBlIjowLCJNYXJnaW4iOnsiJHJlZiI6Ijc2In0sIlBhZGRpbmciOnsiJHJlZiI6Ijc3In0sIkJhY2tncm91bmQiOnsiJHJlZiI6Ijc4In0sIklzVmlzaWJsZSI6dHJ1ZSwiV2lkdGgiOjAuMCwiSGVpZ2h0IjowLjAsIkJvcmRlclN0eWxlIjp7IiRpZCI6IjM2NiIsIkxpbmVDb2xvciI6bnVsbCwiTGluZVdlaWdodCI6MC4wLCJMaW5lVHlwZSI6MCwiUGFyZW50U3R5bGUiOm51bGx9LCJQYXJlbnRTdHlsZSI6bnVsbH0sIkhvcml6b250YWxDb25uZWN0b3JTdHlsZSI6eyIkaWQiOiIzNjciLCJMaW5lQ29sb3IiOnsiJHJlZiI6IjgxIn0sIkxpbmVXZWlnaHQiOjEuMCwiTGluZVR5cGUiOjAsIlBhcmVudFN0eWxlIjpudWxsfSwiVmVydGljYWxDb25uZWN0b3JTdHlsZSI6eyIkaWQiOiIzNjgiLCJMaW5lQ29sb3IiOnsiJHJlZiI6Ijg0In0sIkxpbmVXZWlnaHQiOjAuMCwiTGluZVR5cGUiOjAsIlBhcmVudFN0eWxlIjpudWxsfSwiTWFyZ2luIjpudWxsLCJTdGFydERhdGVQb3NpdGlvbiI6MywiRW5kRGF0ZVBvc2l0aW9uIjo0LCJEYXRlSXNWaXNpYmxlIjp0cnVlLCJUaXRsZVBvc2l0aW9uIjowLCJEdXJhdGlvblBvc2l0aW9uIjo2LCJQZXJjZW50YWdlQ29tcGxldGVkUG9zaXRpb24iOjYsIlNwYWNpbmciOjUsIklzQmVsb3dUaW1lYmFuZCI6dHJ1ZSwiUGVyY2VudGFnZUNvbXBsZXRlU2hhcGVPcGFjaXR5IjozNSwiU2hhcGVTdHlsZSI6eyIkaWQiOiIzNjkiLCJNYXJnaW4iOnsiJHJlZiI6Ijg3In0sIlBhZGRpbmciOnsiJHJlZiI6Ijg4In0sIkJhY2tncm91bmQiOnsiJGlkIjoiMzcwIiwiQ29sb3IiOnsiJGlkIjoiMzcxIiwiQSI6MjU1LCJSIjoyNiwiRyI6MTcwLCJCIjo2Nn19LCJJc1Zpc2libGUiOnRydWUsIldpZHRoIjowLjAsIkhlaWdodCI6MTYuMCwiQm9yZGVyU3R5bGUiOnsiJGlkIjoiMzcyIiwiTGluZUNvbG9yIjp7IiRyZWYiOiIyNDYifSwiTGluZVdlaWdodCI6MC4wLCJMaW5lVHlwZSI6MCwiUGFyZW50U3R5bGUiOm51bGx9LCJQYXJlbnRTdHlsZSI6bnVsbH0sIlRpdGxlU3R5bGUiOnsiJGlkIjoiMzczIiwiRm9udFNldHRpbmdzIjp7IiRpZCI6IjM3NCIsIkZvbnRTaXplIjoxMSwiRm9udE5hbWUiOiJDYWxpYnJpIiwiSXNCb2xkIjp0cnVlLCJJc0l0YWxpYyI6ZmFsc2UsIklzVW5kZXJsaW5lZCI6ZmFsc2UsIlBhcmVudFN0eWxlIjpudWxsfSwiQXV0b1NpemUiOjAsIkZvcmVncm91bmQiOnsiJGlkIjoiMzc1IiwiQ29sb3IiOnsiJGlkIjoiMzc2IiwiQSI6MjU1LCJSIjowLCJHIjowLCJCIjowfX0sIk1heFdpZHRoIjo3MjAuMCwiTWF4SGVpZ2h0IjoiSW5maW5pdHkiLCJTbWFydEZvcmVncm91bmRJc0FjdGl2ZSI6ZmFsc2UsIkhvcml6b250YWxBbGlnbm1lbnQiOjAsIlZlcnRpY2FsQWxpZ25tZW50IjowLCJTbWFydEZvcmVncm91bmQiOm51bGwsIkJhY2tncm91bmRGaWxsVHlwZSI6MCwiTWFyZ2luIjp7IiRyZWYiOiI5OCJ9LCJQYWRkaW5nIjp7IiRyZWYiOiI5OSJ9LCJCYWNrZ3JvdW5kIjp7IiRpZCI6IjM3NyIsIkNvbG9yIjp7IiRpZCI6IjM3OCIsIkEiOjAsIlIiOjI1NSwiRyI6MjU1LCJCIjoyNTV9fSwiSXNWaXNpYmxlIjp0cnVlLCJXaWR0aCI6MC4wLCJIZWlnaHQiOjAuMCwiQm9yZGVyU3R5bGUiOnsiJGlkIjoiMzc5IiwiTGluZUNvbG9yIjpudWxsLCJMaW5lV2VpZ2h0IjowLjAsIkxpbmVUeXBlIjowLCJQYXJlbnRTdHlsZSI6bnVsbH0sIlBhcmVudFN0eWxlIjpudWxsfSwiRGF0ZVN0eWxlIjp7IiRpZCI6IjM4MCIsIkZvbnRTZXR0aW5ncyI6eyIkaWQiOiIzODEiLCJGb250U2l6ZSI6MTAsIkZvbnROYW1lIjoiQ2FsaWJyaSIsIklzQm9sZCI6ZmFsc2UsIklzSXRhbGljIjpmYWxzZSwiSXNVbmRlcmxpbmVkIjpmYWxzZSwiUGFyZW50U3R5bGUiOm51bGx9LCJBdXRvU2l6ZSI6MCwiRm9yZWdyb3VuZCI6eyIkaWQiOiIzODIiLCJDb2xvciI6eyIkaWQiOiIzODMiLCJBIjoyNTUsIlIiOjY4LCJHIjo4NCwiQiI6MTA2fX0sIk1heFdpZHRoIjoyMDAuMCwiTWF4SGVpZ2h0IjoiSW5maW5pdHkiLCJTbWFydEZvcmVncm91bmRJc0FjdGl2ZSI6ZmFsc2UsIkhvcml6b250YWxBbGlnbm1lbnQiOjEsIlZlcnRpY2FsQWxpZ25tZW50IjowLCJTbWFydEZvcmVncm91bmQiOm51bGwsIkJhY2tncm91bmRGaWxsVHlwZSI6MCwiTWFyZ2luIjp7IiRyZWYiOiIxMDcifSwiUGFkZGluZyI6eyIkcmVmIjoiMTA4In0sIkJhY2tncm91bmQiOnsiJGlkIjoiMzg0IiwiQ29sb3IiOnsiJGlkIjoiMzg1IiwiQSI6MCwiUiI6MjU1LCJHIjoyNTUsIkIiOjI1NX19LCJJc1Zpc2libGUiOnRydWUsIldpZHRoIjowLjAsIkhlaWdodCI6MC4wLCJCb3JkZXJTdHlsZSI6eyIkaWQiOiIzODYiLCJMaW5lQ29sb3IiOm51bGwsIkxpbmVXZWlnaHQiOjAuMCwiTGluZVR5cGUiOjAsIlBhcmVudFN0eWxlIjpudWxsfSwiUGFyZW50U3R5bGUiOm51bGx9LCJEYXRlRm9ybWF0Ijp7IiRyZWYiOiIyNjIifSwiV2Vla051bWJlcmluZyI6eyIkaWQiOiIzODciLCJGb3JtYXQiOjAsIklzVmlzaWJsZSI6ZmFsc2UsIkxhc3RLbm93blZpc2liaWxpdHlTdGF0ZSI6ZmFsc2V9LCJJc1Zpc2libGUiOnRydWUsIlBhcmVudFN0eWxlIjpudWxsfSwiSW5kZXgiOjgsIlNtYXJ0RHVyYXRpb25BY3RpdmF0ZWQiOmZhbHNlLCJEYXRlRm9ybWF0Ijp7IiRyZWYiOiIyNjIifSwiV2Vla051bWJlcmluZyI6eyIkaWQiOiIzODgiLCJGb3JtYXQiOjAsIklzVmlzaWJsZSI6ZmFsc2UsIkxhc3RLbm93blZpc2liaWxpdHlTdGF0ZSI6ZmFsc2V9LCJJZCI6IjBiMDY5YWM5LTFmZTUtNDkxMi04Y2JjLTVhNzE5NTc1ODAzYyIsIkltcG9ydElkIjpudWxsLCJUaXRsZSI6Ik1ha2UgVHJhY2VhYmlsaXR5ICBNYXRyaXgiLCJOb3RlIjpudWxsLCJIeXBlcmxpbmsiOnsiJGlkIjoiMzg5IiwiQWRkcmVzcyI6IiIsIlN1YkFkZHJlc3MiOiIifSwiSXNDaGFuZ2VkIjpmYWxzZSwiSXNOZXciOmZhbHNlfX1dLCJfbWlsZXN0b25lcyI6W10sIklkIjoiMDAwMDAwMDAtMDAwMC0wMDAwLTAwMDAtMDAwMDAwMDAwMDAwIiwiSXNTaW5nbGVJdGVtUm93Ijp0cnVlfSx7IiRpZCI6IjM5MCIsIl90YXNrcyI6W3siJGlkIjoiMzkxIiwiX2F0dGFjaGVkTWlsZXN0b25lcyI6W10sIlRhc2tEZWZpbml0aW9uIjp7IiRpZCI6IjM5MiIsIkdyb3VwTmFtZSI6bnVsbCwiU3RhcnREYXRlIjoiMjAyMi0wNC0yNVQwMDowMDowMFoiLCJFbmREYXRlIjoiMjAyMi0wNC0yNVQyMzo1OTowMFoiLCJQZXJjZW50YWdlQ29tcGxldGUiOm51bGwsIlN0eWxlIjp7IiRpZCI6IjM5MyIsIlNoYXBlIjoxLCJTaGFwZVRoaWNrbmVzcyI6MSwiRHVyYXRpb25Gb3JtYXQiOjAsIkluY2x1ZGVOb25Xb3JraW5nRGF5c0luRHVyYXRpb24iOmZhbHNlLCJQZXJjZW50YWdlQ29tcGxldGVTdHlsZSI6eyIkaWQiOiIzOTQiLCJGb250U2V0dGluZ3MiOnsiJGlkIjoiMzk1IiwiRm9udFNpemUiOjEwLCJGb250TmFtZSI6IkNhbGlicmkiLCJJc0JvbGQiOmZhbHNlLCJJc0l0YWxpYyI6ZmFsc2UsIklzVW5kZXJsaW5lZCI6ZmFsc2UsIlBhcmVudFN0eWxlIjpudWxsfSwiQXV0b1NpemUiOjAsIkZvcmVncm91bmQiOnsiJHJlZiI6IjEwIn0sIk1heFdpZHRoIjoyMDAuMCwiTWF4SGVpZ2h0IjoiSW5maW5pdHkiLCJTbWFydEZvcmVncm91bmRJc0FjdGl2ZSI6ZmFsc2UsIkhvcml6b250YWxBbGlnbm1lbnQiOjAsIlZlcnRpY2FsQWxpZ25tZW50IjowLCJTbWFydEZvcmVncm91bmQiOm51bGwsIkJhY2tncm91bmRGaWxsVHlwZSI6MCwiTWFyZ2luIjp7IiRyZWYiOiI2NyJ9LCJQYWRkaW5nIjp7IiRyZWYiOiI2OCJ9LCJCYWNrZ3JvdW5kIjp7IiRyZWYiOiI2OSJ9LCJJc1Zpc2libGUiOnRydWUsIldpZHRoIjowLjAsIkhlaWdodCI6MC4wLCJCb3JkZXJTdHlsZSI6eyIkaWQiOiIzOTYiLCJMaW5lQ29sb3IiOm51bGwsIkxpbmVXZWlnaHQiOjAuMCwiTGluZVR5cGUiOjAsIlBhcmVudFN0eWxlIjpudWxsfSwiUGFyZW50U3R5bGUiOm51bGx9LCJEdXJhdGlvblN0eWxlIjp7IiRpZCI6IjM5NyIsIkZvbnRTZXR0aW5ncyI6eyIkaWQiOiIzOTgiLCJGb250U2l6ZSI6MTAsIkZvbnROYW1lIjoiQ2FsaWJyaSIsIklzQm9sZCI6ZmFsc2UsIklzSXRhbGljIjpmYWxzZSwiSXNVbmRlcmxpbmVkIjpmYWxzZSwiUGFyZW50U3R5bGUiOm51bGx9LCJBdXRvU2l6ZSI6MCwiRm9yZWdyb3VuZCI6eyIkcmVmIjoiNzQifSwiTWF4V2lkdGgiOjIwMC4wLCJNYXhIZWlnaHQiOiJJbmZpbml0eSIsIlNtYXJ0Rm9yZWdyb3VuZElzQWN0aXZlIjpmYWxzZSwiSG9yaXpvbnRhbEFsaWdubWVudCI6MCwiVmVydGljYWxBbGlnbm1lbnQiOjAsIlNtYXJ0Rm9yZWdyb3VuZCI6bnVsbCwiQmFja2dyb3VuZEZpbGxUeXBlIjowLCJNYXJnaW4iOnsiJHJlZiI6Ijc2In0sIlBhZGRpbmciOnsiJHJlZiI6Ijc3In0sIkJhY2tncm91bmQiOnsiJHJlZiI6Ijc4In0sIklzVmlzaWJsZSI6dHJ1ZSwiV2lkdGgiOjAuMCwiSGVpZ2h0IjowLjAsIkJvcmRlclN0eWxlIjp7IiRpZCI6IjM5OSIsIkxpbmVDb2xvciI6bnVsbCwiTGluZVdlaWdodCI6MC4wLCJMaW5lVHlwZSI6MCwiUGFyZW50U3R5bGUiOm51bGx9LCJQYXJlbnRTdHlsZSI6bnVsbH0sIkhvcml6b250YWxDb25uZWN0b3JTdHlsZSI6eyIkaWQiOiI0MDAiLCJMaW5lQ29sb3IiOnsiJHJlZiI6IjgxIn0sIkxpbmVXZWlnaHQiOjEuMCwiTGluZVR5cGUiOjAsIlBhcmVudFN0eWxlIjpudWxsfSwiVmVydGljYWxDb25uZWN0b3JTdHlsZSI6eyIkaWQiOiI0MDEiLCJMaW5lQ29sb3IiOnsiJHJlZiI6Ijg0In0sIkxpbmVXZWlnaHQiOjAuMCwiTGluZVR5cGUiOjAsIlBhcmVudFN0eWxlIjpudWxsfSwiTWFyZ2luIjpudWxsLCJTdGFydERhdGVQb3NpdGlvbiI6MywiRW5kRGF0ZVBvc2l0aW9uIjo0LCJEYXRlSXNWaXNpYmxlIjp0cnVlLCJUaXRsZVBvc2l0aW9uIjowLCJEdXJhdGlvblBvc2l0aW9uIjo2LCJQZXJjZW50YWdlQ29tcGxldGVkUG9zaXRpb24iOjYsIlNwYWNpbmciOjUsIklzQmVsb3dUaW1lYmFuZCI6dHJ1ZSwiUGVyY2VudGFnZUNvbXBsZXRlU2hhcGVPcGFjaXR5IjozNSwiU2hhcGVTdHlsZSI6eyIkaWQiOiI0MDIiLCJNYXJnaW4iOnsiJHJlZiI6Ijg3In0sIlBhZGRpbmciOnsiJHJlZiI6Ijg4In0sIkJhY2tncm91bmQiOnsiJGlkIjoiNDAzIiwiQ29sb3IiOnsiJGlkIjoiNDA0IiwiQSI6MjU1LCJSIjoyNiwiRyI6MTcwLCJCIjo2Nn19LCJJc1Zpc2libGUiOnRydWUsIldpZHRoIjowLjAsIkhlaWdodCI6MTYuMCwiQm9yZGVyU3R5bGUiOnsiJGlkIjoiNDA1IiwiTGluZUNvbG9yIjp7IiRyZWYiOiIyNDYifSwiTGluZVdlaWdodCI6MC4wLCJMaW5lVHlwZSI6MCwiUGFyZW50U3R5bGUiOm51bGx9LCJQYXJlbnRTdHlsZSI6bnVsbH0sIlRpdGxlU3R5bGUiOnsiJGlkIjoiNDA2IiwiRm9udFNldHRpbmdzIjp7IiRpZCI6IjQwNyIsIkZvbnRTaXplIjoxMSwiRm9udE5hbWUiOiJDYWxpYnJpIiwiSXNCb2xkIjp0cnVlLCJJc0l0YWxpYyI6ZmFsc2UsIklzVW5kZXJsaW5lZCI6ZmFsc2UsIlBhcmVudFN0eWxlIjpudWxsfSwiQXV0b1NpemUiOjAsIkZvcmVncm91bmQiOnsiJGlkIjoiNDA4IiwiQ29sb3IiOnsiJGlkIjoiNDA5IiwiQSI6MjU1LCJSIjowLCJHIjowLCJCIjowfX0sIk1heFdpZHRoIjo3MjAuMCwiTWF4SGVpZ2h0IjoiSW5maW5pdHkiLCJTbWFydEZvcmVncm91bmRJc0FjdGl2ZSI6ZmFsc2UsIkhvcml6b250YWxBbGlnbm1lbnQiOjAsIlZlcnRpY2FsQWxpZ25tZW50IjowLCJTbWFydEZvcmVncm91bmQiOm51bGwsIkJhY2tncm91bmRGaWxsVHlwZSI6MCwiTWFyZ2luIjp7IiRyZWYiOiI5OCJ9LCJQYWRkaW5nIjp7IiRyZWYiOiI5OSJ9LCJCYWNrZ3JvdW5kIjp7IiRpZCI6IjQxMCIsIkNvbG9yIjp7IiRpZCI6IjQxMSIsIkEiOjAsIlIiOjI1NSwiRyI6MjU1LCJCIjoyNTV9fSwiSXNWaXNpYmxlIjp0cnVlLCJXaWR0aCI6MC4wLCJIZWlnaHQiOjAuMCwiQm9yZGVyU3R5bGUiOnsiJGlkIjoiNDEyIiwiTGluZUNvbG9yIjpudWxsLCJMaW5lV2VpZ2h0IjowLjAsIkxpbmVUeXBlIjowLCJQYXJlbnRTdHlsZSI6bnVsbH0sIlBhcmVudFN0eWxlIjpudWxsfSwiRGF0ZVN0eWxlIjp7IiRpZCI6IjQxMyIsIkZvbnRTZXR0aW5ncyI6eyIkaWQiOiI0MTQiLCJGb250U2l6ZSI6MTAsIkZvbnROYW1lIjoiQ2FsaWJyaSIsIklzQm9sZCI6ZmFsc2UsIklzSXRhbGljIjpmYWxzZSwiSXNVbmRlcmxpbmVkIjpmYWxzZSwiUGFyZW50U3R5bGUiOm51bGx9LCJBdXRvU2l6ZSI6MCwiRm9yZWdyb3VuZCI6eyIkaWQiOiI0MTUiLCJDb2xvciI6eyIkaWQiOiI0MTYiLCJBIjoyNTUsIlIiOjY4LCJHIjo4NCwiQiI6MTA2fX0sIk1heFdpZHRoIjoyMDAuMCwiTWF4SGVpZ2h0IjoiSW5maW5pdHkiLCJTbWFydEZvcmVncm91bmRJc0FjdGl2ZSI6ZmFsc2UsIkhvcml6b250YWxBbGlnbm1lbnQiOjEsIlZlcnRpY2FsQWxpZ25tZW50IjowLCJTbWFydEZvcmVncm91bmQiOm51bGwsIkJhY2tncm91bmRGaWxsVHlwZSI6MCwiTWFyZ2luIjp7IiRyZWYiOiIxMDcifSwiUGFkZGluZyI6eyIkcmVmIjoiMTA4In0sIkJhY2tncm91bmQiOnsiJGlkIjoiNDE3IiwiQ29sb3IiOnsiJGlkIjoiNDE4IiwiQSI6MCwiUiI6MjU1LCJHIjoyNTUsIkIiOjI1NX19LCJJc1Zpc2libGUiOnRydWUsIldpZHRoIjowLjAsIkhlaWdodCI6MC4wLCJCb3JkZXJTdHlsZSI6eyIkaWQiOiI0MTkiLCJMaW5lQ29sb3IiOm51bGwsIkxpbmVXZWlnaHQiOjAuMCwiTGluZVR5cGUiOjAsIlBhcmVudFN0eWxlIjpudWxsfSwiUGFyZW50U3R5bGUiOm51bGx9LCJEYXRlRm9ybWF0Ijp7IiRyZWYiOiIyNjIifSwiV2Vla051bWJlcmluZyI6eyIkaWQiOiI0MjAiLCJGb3JtYXQiOjAsIklzVmlzaWJsZSI6ZmFsc2UsIkxhc3RLbm93blZpc2liaWxpdHlTdGF0ZSI6ZmFsc2V9LCJJc1Zpc2libGUiOnRydWUsIlBhcmVudFN0eWxlIjpudWxsfSwiSW5kZXgiOjksIlNtYXJ0RHVyYXRpb25BY3RpdmF0ZWQiOmZhbHNlLCJEYXRlRm9ybWF0Ijp7IiRyZWYiOiIyNjIifSwiV2Vla051bWJlcmluZyI6eyIkaWQiOiI0MjEiLCJGb3JtYXQiOjAsIklzVmlzaWJsZSI6ZmFsc2UsIkxhc3RLbm93blZpc2liaWxpdHlTdGF0ZSI6ZmFsc2V9LCJJZCI6IjdmNThjZDQwLTExNDEtNDZkNy1hZjIyLWJlMDRkZmY1NTZiOSIsIkltcG9ydElkIjpudWxsLCJUaXRsZSI6IkVkaXRpdG5nIFNJUSIsIk5vdGUiOm51bGwsIkh5cGVybGluayI6eyIkaWQiOiI0MjIiLCJBZGRyZXNzIjoiIiwiU3ViQWRkcmVzcyI6IiJ9LCJJc0NoYW5nZWQiOmZhbHNlLCJJc05ldyI6ZmFsc2V9fV0sIl9taWxlc3RvbmVzIjpbXSwiSWQiOiIwMDAwMDAwMC0wMDAwLTAwMDAtMDAwMC0wMDAwMDAwMDAwMDAiLCJJc1NpbmdsZUl0ZW1Sb3ciOnRydWV9LHsiJGlkIjoiNDIzIiwiX3Rhc2tzIjpbeyIkaWQiOiI0MjQiLCJfYXR0YWNoZWRNaWxlc3RvbmVzIjpbXSwiVGFza0RlZmluaXRpb24iOnsiJGlkIjoiNDI1IiwiR3JvdXBOYW1lIjpudWxsLCJTdGFydERhdGUiOiIyMDIyLTA0LTI0VDAwOjAwOjAwWiIsIkVuZERhdGUiOiIyMDIyLTA0LTI2VDIzOjU5OjAwWiIsIlBlcmNlbnRhZ2VDb21wbGV0ZSI6bnVsbCwiU3R5bGUiOnsiJGlkIjoiNDI2IiwiU2hhcGUiOjEsIlNoYXBlVGhpY2tuZXNzIjoxLCJEdXJhdGlvbkZvcm1hdCI6MCwiSW5jbHVkZU5vbldvcmtpbmdEYXlzSW5EdXJhdGlvbiI6ZmFsc2UsIlBlcmNlbnRhZ2VDb21wbGV0ZVN0eWxlIjp7IiRpZCI6IjQyNyIsIkZvbnRTZXR0aW5ncyI6eyIkaWQiOiI0MjgiLCJGb250U2l6ZSI6MTAsIkZvbnROYW1lIjoiQ2FsaWJyaSIsIklzQm9sZCI6ZmFsc2UsIklzSXRhbGljIjpmYWxzZSwiSXNVbmRlcmxpbmVkIjpmYWxzZSwiUGFyZW50U3R5bGUiOm51bGx9LCJBdXRvU2l6ZSI6MCwiRm9yZWdyb3VuZCI6eyIkcmVmIjoiMTAifSwiTWF4V2lkdGgiOjIwMC4wLCJNYXhIZWlnaHQiOiJJbmZpbml0eSIsIlNtYXJ0Rm9yZWdyb3VuZElzQWN0aXZlIjpmYWxzZSwiSG9yaXpvbnRhbEFsaWdubWVudCI6MCwiVmVydGljYWxBbGlnbm1lbnQiOjAsIlNtYXJ0Rm9yZWdyb3VuZCI6bnVsbCwiQmFja2dyb3VuZEZpbGxUeXBlIjowLCJNYXJnaW4iOnsiJHJlZiI6IjY3In0sIlBhZGRpbmciOnsiJHJlZiI6IjY4In0sIkJhY2tncm91bmQiOnsiJHJlZiI6IjY5In0sIklzVmlzaWJsZSI6dHJ1ZSwiV2lkdGgiOjAuMCwiSGVpZ2h0IjowLjAsIkJvcmRlclN0eWxlIjp7IiRpZCI6IjQyOSIsIkxpbmVDb2xvciI6bnVsbCwiTGluZVdlaWdodCI6MC4wLCJMaW5lVHlwZSI6MCwiUGFyZW50U3R5bGUiOm51bGx9LCJQYXJlbnRTdHlsZSI6bnVsbH0sIkR1cmF0aW9uU3R5bGUiOnsiJGlkIjoiNDMwIiwiRm9udFNldHRpbmdzIjp7IiRpZCI6IjQzMSIsIkZvbnRTaXplIjoxMCwiRm9udE5hbWUiOiJDYWxpYnJpIiwiSXNCb2xkIjpmYWxzZSwiSXNJdGFsaWMiOmZhbHNlLCJJc1VuZGVybGluZWQiOmZhbHNlLCJQYXJlbnRTdHlsZSI6bnVsbH0sIkF1dG9TaXplIjowLCJGb3JlZ3JvdW5kIjp7IiRyZWYiOiI3NCJ9LCJNYXhXaWR0aCI6MjAwLjAsIk1heEhlaWdodCI6IkluZmluaXR5IiwiU21hcnRGb3JlZ3JvdW5kSXNBY3RpdmUiOmZhbHNlLCJIb3Jpem9udGFsQWxpZ25tZW50IjowLCJWZXJ0aWNhbEFsaWdubWVudCI6MCwiU21hcnRGb3JlZ3JvdW5kIjpudWxsLCJCYWNrZ3JvdW5kRmlsbFR5cGUiOjAsIk1hcmdpbiI6eyIkcmVmIjoiNzYifSwiUGFkZGluZyI6eyIkcmVmIjoiNzcifSwiQmFja2dyb3VuZCI6eyIkcmVmIjoiNzgifSwiSXNWaXNpYmxlIjp0cnVlLCJXaWR0aCI6MC4wLCJIZWlnaHQiOjAuMCwiQm9yZGVyU3R5bGUiOnsiJGlkIjoiNDMyIiwiTGluZUNvbG9yIjpudWxsLCJMaW5lV2VpZ2h0IjowLjAsIkxpbmVUeXBlIjowLCJQYXJlbnRTdHlsZSI6bnVsbH0sIlBhcmVudFN0eWxlIjpudWxsfSwiSG9yaXpvbnRhbENvbm5lY3RvclN0eWxlIjp7IiRpZCI6IjQzMyIsIkxpbmVDb2xvciI6eyIkcmVmIjoiODEifSwiTGluZVdlaWdodCI6MS4wLCJMaW5lVHlwZSI6MCwiUGFyZW50U3R5bGUiOm51bGx9LCJWZXJ0aWNhbENvbm5lY3RvclN0eWxlIjp7IiRpZCI6IjQzNCIsIkxpbmVDb2xvciI6eyIkcmVmIjoiODQifSwiTGluZVdlaWdodCI6MC4wLCJMaW5lVHlwZSI6MCwiUGFyZW50U3R5bGUiOm51bGx9LCJNYXJnaW4iOm51bGwsIlN0YXJ0RGF0ZVBvc2l0aW9uIjozLCJFbmREYXRlUG9zaXRpb24iOjQsIkRhdGVJc1Zpc2libGUiOnRydWUsIlRpdGxlUG9zaXRpb24iOjAsIkR1cmF0aW9uUG9zaXRpb24iOjYsIlBlcmNlbnRhZ2VDb21wbGV0ZWRQb3NpdGlvbiI6NiwiU3BhY2luZyI6NSwiSXNCZWxvd1RpbWViYW5kIjp0cnVlLCJQZXJjZW50YWdlQ29tcGxldGVTaGFwZU9wYWNpdHkiOjM1LCJTaGFwZVN0eWxlIjp7IiRpZCI6IjQzNSIsIk1hcmdpbiI6eyIkcmVmIjoiODcifSwiUGFkZGluZyI6eyIkcmVmIjoiODgifSwiQmFja2dyb3VuZCI6eyIkaWQiOiI0MzYiLCJDb2xvciI6eyIkaWQiOiI0MzciLCJBIjoyNTUsIlIiOjI2LCJHIjoxNzAsIkIiOjY2fX0sIklzVmlzaWJsZSI6dHJ1ZSwiV2lkdGgiOjAuMCwiSGVpZ2h0IjoxNi4wLCJCb3JkZXJTdHlsZSI6eyIkaWQiOiI0MzgiLCJMaW5lQ29sb3IiOnsiJHJlZiI6IjI0NiJ9LCJMaW5lV2VpZ2h0IjowLjAsIkxpbmVUeXBlIjowLCJQYXJlbnRTdHlsZSI6bnVsbH0sIlBhcmVudFN0eWxlIjpudWxsfSwiVGl0bGVTdHlsZSI6eyIkaWQiOiI0MzkiLCJGb250U2V0dGluZ3MiOnsiJGlkIjoiNDQwIiwiRm9udFNpemUiOjExLCJGb250TmFtZSI6IkNhbGlicmkiLCJJc0JvbGQiOnRydWUsIklzSXRhbGljIjpmYWxzZSwiSXNVbmRlcmxpbmVkIjpmYWxzZSwiUGFyZW50U3R5bGUiOm51bGx9LCJBdXRvU2l6ZSI6MCwiRm9yZWdyb3VuZCI6eyIkaWQiOiI0NDEiLCJDb2xvciI6eyIkaWQiOiI0NDIiLCJBIjoyNTUsIlIiOjAsIkciOjAsIkIiOjB9fSwiTWF4V2lkdGgiOjcyMC4wLCJNYXhIZWlnaHQiOiJJbmZpbml0eSIsIlNtYXJ0Rm9yZWdyb3VuZElzQWN0aXZlIjpmYWxzZSwiSG9yaXpvbnRhbEFsaWdubWVudCI6MCwiVmVydGljYWxBbGlnbm1lbnQiOjAsIlNtYXJ0Rm9yZWdyb3VuZCI6bnVsbCwiQmFja2dyb3VuZEZpbGxUeXBlIjowLCJNYXJnaW4iOnsiJHJlZiI6Ijk4In0sIlBhZGRpbmciOnsiJHJlZiI6Ijk5In0sIkJhY2tncm91bmQiOnsiJGlkIjoiNDQzIiwiQ29sb3IiOnsiJGlkIjoiNDQ0IiwiQSI6MCwiUiI6MjU1LCJHIjoyNTUsIkIiOjI1NX19LCJJc1Zpc2libGUiOnRydWUsIldpZHRoIjowLjAsIkhlaWdodCI6MC4wLCJCb3JkZXJTdHlsZSI6eyIkaWQiOiI0NDUiLCJMaW5lQ29sb3IiOm51bGwsIkxpbmVXZWlnaHQiOjAuMCwiTGluZVR5cGUiOjAsIlBhcmVudFN0eWxlIjpudWxsfSwiUGFyZW50U3R5bGUiOm51bGx9LCJEYXRlU3R5bGUiOnsiJGlkIjoiNDQ2IiwiRm9udFNldHRpbmdzIjp7IiRpZCI6IjQ0NyIsIkZvbnRTaXplIjoxMCwiRm9udE5hbWUiOiJDYWxpYnJpIiwiSXNCb2xkIjpmYWxzZSwiSXNJdGFsaWMiOmZhbHNlLCJJc1VuZGVybGluZWQiOmZhbHNlLCJQYXJlbnRTdHlsZSI6bnVsbH0sIkF1dG9TaXplIjowLCJGb3JlZ3JvdW5kIjp7IiRpZCI6IjQ0OCIsIkNvbG9yIjp7IiRpZCI6IjQ0OSIsIkEiOjI1NSwiUiI6NjgsIkciOjg0LCJCIjoxMDZ9fSwiTWF4V2lkdGgiOjIwMC4wLCJNYXhIZWlnaHQiOiJJbmZpbml0eSIsIlNtYXJ0Rm9yZWdyb3VuZElzQWN0aXZlIjpmYWxzZSwiSG9yaXpvbnRhbEFsaWdubWVudCI6MSwiVmVydGljYWxBbGlnbm1lbnQiOjAsIlNtYXJ0Rm9yZWdyb3VuZCI6bnVsbCwiQmFja2dyb3VuZEZpbGxUeXBlIjowLCJNYXJnaW4iOnsiJHJlZiI6IjEwNyJ9LCJQYWRkaW5nIjp7IiRyZWYiOiIxMDgifSwiQmFja2dyb3VuZCI6eyIkaWQiOiI0NTAiLCJDb2xvciI6eyIkaWQiOiI0NTEiLCJBIjowLCJSIjoyNTUsIkciOjI1NSwiQiI6MjU1fX0sIklzVmlzaWJsZSI6dHJ1ZSwiV2lkdGgiOjAuMCwiSGVpZ2h0IjowLjAsIkJvcmRlclN0eWxlIjp7IiRpZCI6IjQ1MiIsIkxpbmVDb2xvciI6bnVsbCwiTGluZVdlaWdodCI6MC4wLCJMaW5lVHlwZSI6MCwiUGFyZW50U3R5bGUiOm51bGx9LCJQYXJlbnRTdHlsZSI6bnVsbH0sIkRhdGVGb3JtYXQiOnsiJHJlZiI6IjI2MiJ9LCJXZWVrTnVtYmVyaW5nIjp7IiRpZCI6IjQ1MyIsIkZvcm1hdCI6MCwiSXNWaXNpYmxlIjpmYWxzZSwiTGFzdEtub3duVmlzaWJpbGl0eVN0YXRlIjpmYWxzZX0sIklzVmlzaWJsZSI6dHJ1ZSwiUGFyZW50U3R5bGUiOm51bGx9LCJJbmRleCI6MTAsIlNtYXJ0RHVyYXRpb25BY3RpdmF0ZWQiOmZhbHNlLCJEYXRlRm9ybWF0Ijp7IiRyZWYiOiIyNjIifSwiV2Vla051bWJlcmluZyI6eyIkaWQiOiI0NTQiLCJGb3JtYXQiOjAsIklzVmlzaWJsZSI6ZmFsc2UsIkxhc3RLbm93blZpc2liaWxpdHlTdGF0ZSI6ZmFsc2V9LCJJZCI6IjZmMWQzYTVkLTM5NGQtNGY3ZS1iODAzLTAwNGY3NzdlMjljMyIsIkltcG9ydElkIjpudWxsLCJUaXRsZSI6IkVkaXRpbmcgU1JTIiwiTm90ZSI6bnVsbCwiSHlwZXJsaW5rIjp7IiRpZCI6IjQ1NSIsIkFkZHJlc3MiOiIiLCJTdWJBZGRyZXNzIjoiIn0sIklzQ2hhbmdlZCI6ZmFsc2UsIklzTmV3IjpmYWxzZX19XSwiX21pbGVzdG9uZXMiOltdLCJJZCI6IjAwMDAwMDAwLTAwMDAtMDAwMC0wMDAwLTAwMDAwMDAwMDAwMCIsIklzU2luZ2xlSXRlbVJvdyI6dHJ1ZX1dLCJJbmRleCI6NywiSWQiOiIyZTZjZDEzYi05OTM0LTQ1M2YtOTU2OS1jMDRlNWU2NWE2ZWIiLCJIZWFkZXJUZXh0IjpudWxsLCJJc0RlZmF1bHQiOnRydWUsIlN0eWxlIjp7IiRpZCI6IjQ1NiIsIkhlYWRlclN0eWxlIjp7IiRpZCI6IjQ1NyIsIlRleHRTdHlsZSI6eyIkaWQiOiI0NTgiLCJGb250U2V0dGluZ3MiOnsiJGlkIjoiNDU5IiwiRm9udFNpemUiOjExLCJGb250TmFtZSI6IkNhbGlicmkiLCJJc0JvbGQiOmZhbHNlLCJJc0l0YWxpYyI6ZmFsc2UsIklzVW5kZXJsaW5lZCI6ZmFsc2UsIlBhcmVudFN0eWxlIjpudWxsfSwiQXV0b1NpemUiOjIsIkZvcmVncm91bmQiOnsiJGlkIjoiNDYwIiwiQ29sb3IiOnsiJGlkIjoiNDYxIiwiQSI6MjU1LCJSIjowLCJHIjowLCJCIjowfX0sIk1heFdpZHRoIjowLjAsIk1heEhlaWdodCI6IkluZmluaXR5IiwiU21hcnRGb3JlZ3JvdW5kSXNBY3RpdmUiOmZhbHNlLCJIb3Jpem9udGFsQWxpZ25tZW50IjowLCJWZXJ0aWNhbEFsaWdubWVudCI6MCwiU21hcnRGb3JlZ3JvdW5kIjpudWxsLCJCYWNrZ3JvdW5kRmlsbFR5cGUiOjAsIk1hcmdpbiI6eyIkaWQiOiI0NjIiLCJUb3AiOjAuMCwiTGVmdCI6MC4wLCJSaWdodCI6MC4wLCJCb3R0b20iOjAuMH0sIlBhZGRpbmciOnsiJGlkIjoiNDYzIiwiVG9wIjowLjAsIkxlZnQiOjAuMCwiUmlnaHQiOjAuMCwiQm90dG9tIjowLjB9LCJCYWNrZ3JvdW5kIjpudWxsLCJJc1Zpc2libGUiOnRydWUsIldpZHRoIjowLjAsIkhlaWdodCI6MC4wLCJCb3JkZXJTdHlsZSI6bnVsbCwiUGFyZW50U3R5bGUiOm51bGx9LCJSZWN0YW5nbGVTdHlsZSI6eyIkaWQiOiI0NjQiLCJNYXJnaW4iOnsiJGlkIjoiNDY1IiwiVG9wIjowLjAsIkxlZnQiOjAuMCwiUmlnaHQiOjAuMCwiQm90dG9tIjowLjB9LCJQYWRkaW5nIjp7IiRpZCI6IjQ2NiIsIlRvcCI6MC4wLCJMZWZ0IjowLjAsIlJpZ2h0IjowLjAsIkJvdHRvbSI6MC4wfSwiQmFja2dyb3VuZCI6eyIkaWQiOiI0NjciLCJDb2xvciI6eyIkaWQiOiI0NjgiLCJBIjo2MywiUiI6MTY1LCJHIjoxNjUsIkIiOjE2NX19LCJJc1Zpc2libGUiOnRydWUsIldpZHRoIjowLjAsIkhlaWdodCI6MC4wLCJCb3JkZXJTdHlsZSI6eyIkaWQiOiI0NjkiLCJMaW5lQ29sb3IiOnsiJGlkIjoiNDcwIiwiJHR5cGUiOiJOTFJFLkNvbW1vbi5Eb20uU29saWRDb2xvckJydXNoLCBOTFJFLkNvbW1vbiIsIkNvbG9yIjp7IiRpZCI6IjQ3MSIsIkEiOjI1NSwiUiI6MjU1LCJHIjowLCJCIjowfX0sIkxpbmVXZWlnaHQiOjAuMCwiTGluZVR5cGUiOjAsIlBhcmVudFN0eWxlIjpudWxsfSwiUGFyZW50U3R5bGUiOm51bGx9LCJNYXJnaW4iOnsiJGlkIjoiNDcyIiwiVG9wIjowLjAsIkxlZnQiOjAuMCwiUmlnaHQiOjAuMCwiQm90dG9tIjowLjB9LCJQYWRkaW5nIjp7IiRpZCI6IjQ3MyIsIlRvcCI6MC4wLCJMZWZ0IjowLjAsIlJpZ2h0IjowLjAsIkJvdHRvbSI6MC4wfSwiQmFja2dyb3VuZCI6bnVsbCwiSXNWaXNpYmxlIjp0cnVlLCJXaWR0aCI6MC4wLCJIZWlnaHQiOjAuMCwiQm9yZGVyU3R5bGUiOm51bGwsIlBhcmVudFN0eWxlIjpudWxsfSwiQmFja2dyb3VuZFN0eWxlIjp7IiRpZCI6IjQ3NCIsIk1hcmdpbiI6eyIkaWQiOiI0NzUiLCJUb3AiOjAuMCwiTGVmdCI6MC4wLCJSaWdodCI6MC4wLCJCb3R0b20iOjAuMH0sIlBhZGRpbmciOnsiJGlkIjoiNDc2IiwiVG9wIjowLjAsIkxlZnQiOjAuMCwiUmlnaHQiOjAuMCwiQm90dG9tIjowLjB9LCJCYWNrZ3JvdW5kIjp7IiRpZCI6IjQ3NyIsIkNvbG9yIjp7IiRpZCI6IjQ3OCIsIkEiOjUxLCJSIjoxNjUsIkciOjE2NSwiQiI6MTY1fX0sIklzVmlzaWJsZSI6dHJ1ZSwiV2lkdGgiOjAuMCwiSGVpZ2h0IjowLjAsIkJvcmRlclN0eWxlIjp7IiRpZCI6IjQ3OSIsIkxpbmVDb2xvciI6eyIkaWQiOiI0ODAiLCIkdHlwZSI6Ik5MUkUuQ29tbW9uLkRvbS5Tb2xpZENvbG9yQnJ1c2gsIE5MUkUuQ29tbW9uIiwiQ29sb3IiOnsiJGlkIjoiNDgxIiwiQSI6MjU1LCJSIjoyNTUsIkciOjAsIkIiOjB9fSwiTGluZVdlaWdodCI6MC4wLCJMaW5lVHlwZSI6MCwiUGFyZW50U3R5bGUiOm51bGx9LCJQYXJlbnRTdHlsZSI6bnVsbH0sIk1hcmdpbiI6eyIkaWQiOiI0ODIiLCJUb3AiOjAuMCwiTGVmdCI6MC4wLCJSaWdodCI6MC4wLCJCb3R0b20iOjAuMH0sIlBhZGRpbmciOnsiJGlkIjoiNDgzIiwiVG9wIjowLjAsIkxlZnQiOjAuMCwiUmlnaHQiOjAuMCwiQm90dG9tIjowLjB9LCJJc1Zpc2libGUiOmZhbHNlLCJXaWR0aCI6MC4wLCJIZWlnaHQiOjAuMCwiQm9yZGVyU3R5bGUiOm51bGwsIlBhcmVudFN0eWxlIjpudWxsfX1dLCJJZCI6ImY4MzgxNGQ0LWRiNWYtNDQ0Ni1hNjg2LWJmNjgwNmE3ZmVjOSIsIkluZGV4Ijo3LCJIZWFkZXJUZXh0IjoiRml4aW5nIFBoYXNlIiwiU3R5bGUiOnsiJGlkIjoiNDg0IiwiSGVhZGVyU3R5bGUiOnsiJGlkIjoiNDg1IiwiVGV4dElzVmVydGljYWwiOmZhbHNlLCJUZXh0U3R5bGUiOnsiJGlkIjoiNDg2IiwiRm9udFNldHRpbmdzIjp7IiRpZCI6IjQ4NyIsIkZvbnRTaXplIjoxMiwiRm9udE5hbWUiOiJDYWxpYnJpIiwiSXNCb2xkIjpmYWxzZSwiSXNJdGFsaWMiOmZhbHNlLCJJc1VuZGVybGluZWQiOmZhbHNlLCJQYXJlbnRTdHlsZSI6bnVsbH0sIkF1dG9TaXplIjoyLCJGb3JlZ3JvdW5kIjp7IiRyZWYiOiIyMDMifSwiTWF4V2lkdGgiOjE2MC4wLCJNYXhIZWlnaHQiOiJJbmZpbml0eSIsIlNtYXJ0Rm9yZWdyb3VuZElzQWN0aXZlIjpmYWxzZSwiSG9yaXpvbnRhbEFsaWdubWVudCI6MCwiVmVydGljYWxBbGlnbm1lbnQiOjAsIlNtYXJ0Rm9yZWdyb3VuZCI6bnVsbCwiQmFja2dyb3VuZEZpbGxUeXBlIjowLCJNYXJnaW4iOnsiJHJlZiI6IjIwNSJ9LCJQYWRkaW5nIjp7IiRyZWYiOiIyMDYifSwiQmFja2dyb3VuZCI6bnVsbCwiSXNWaXNpYmxlIjp0cnVlLCJXaWR0aCI6MC4wLCJIZWlnaHQiOjAuMCwiQm9yZGVyU3R5bGUiOm51bGwsIlBhcmVudFN0eWxlIjpudWxsfSwiUmVjdGFuZ2xlU3R5bGUiOnsiJGlkIjoiNDg4IiwiTWFyZ2luIjp7IiRpZCI6IjQ4OSIsIlRvcCI6MC4wLCJMZWZ0IjowLjAsIlJpZ2h0IjowLjAsIkJvdHRvbSI6MC4wfSwiUGFkZGluZyI6eyIkaWQiOiI0OTAiLCJUb3AiOjAuMCwiTGVmdCI6MC4wLCJSaWdodCI6MC4wLCJCb3R0b20iOjAuMH0sIkJhY2tncm91bmQiOnsiJGlkIjoiNDkxIiwiQ29sb3IiOnsiJGlkIjoiNDkyIiwiQSI6MjU1LCJSIjoxNjUsIkciOjE2NSwiQiI6MTY1fX0sIklzVmlzaWJsZSI6dHJ1ZSwiV2lkdGgiOjAuMCwiSGVpZ2h0IjowLjAsIkJvcmRlclN0eWxlIjp7IiRpZCI6IjQ5MyIsIkxpbmVDb2xvciI6eyIkaWQiOiI0OTQiLCIkdHlwZSI6Ik5MUkUuQ29tbW9uLkRvbS5Tb2xpZENvbG9yQnJ1c2gsIE5MUkUuQ29tbW9uIiwiQ29sb3IiOnsiJGlkIjoiNDk1IiwiQSI6MjU1LCJSIjoyNTUsIkciOjAsIkIiOjB9fSwiTGluZVdlaWdodCI6MC4wLCJMaW5lVHlwZSI6MCwiUGFyZW50U3R5bGUiOm51bGx9LCJQYXJlbnRTdHlsZSI6bnVsbH0sIk1hcmdpbiI6eyIkaWQiOiI0OTYiLCJUb3AiOjAuMCwiTGVmdCI6MC4wLCJSaWdodCI6MC4wLCJCb3R0b20iOjAuMH0sIlBhZGRpbmciOnsiJGlkIjoiNDk3IiwiVG9wIjowLjAsIkxlZnQiOjAuMCwiUmlnaHQiOjAuMCwiQm90dG9tIjowLjB9LCJCYWNrZ3JvdW5kIjpudWxsLCJJc1Zpc2libGUiOnRydWUsIldpZHRoIjowLjAsIkhlaWdodCI6MC4wLCJCb3JkZXJTdHlsZSI6bnVsbCwiUGFyZW50U3R5bGUiOm51bGx9LCJCYWNrZ3JvdW5kU3R5bGUiOnsiJGlkIjoiNDk4IiwiTWFyZ2luIjp7IiRpZCI6IjQ5OSIsIlRvcCI6MC4wLCJMZWZ0IjowLjAsIlJpZ2h0IjowLjAsIkJvdHRvbSI6MC4wfSwiUGFkZGluZyI6eyIkaWQiOiI1MDAiLCJUb3AiOjAuMCwiTGVmdCI6MC4wLCJSaWdodCI6MC4wLCJCb3R0b20iOjAuMH0sIkJhY2tncm91bmQiOnsiJGlkIjoiNTAxIiwiQ29sb3IiOnsiJGlkIjoiNTAyIiwiQSI6NTEsIlIiOjE2NSwiRyI6MTY1LCJCIjoxNjV9fSwiSXNWaXNpYmxlIjp0cnVlLCJXaWR0aCI6MC4wLCJIZWlnaHQiOjAuMCwiQm9yZGVyU3R5bGUiOnsiJGlkIjoiNTAzIiwiTGluZUNvbG9yIjp7IiRpZCI6IjUwNCIsIiR0eXBlIjoiTkxSRS5Db21tb24uRG9tLlNvbGlkQ29sb3JCcnVzaCwgTkxSRS5Db21tb24iLCJDb2xvciI6eyIkaWQiOiI1MDUiLCJBIjoyNTUsIlIiOjI1NSwiRyI6MCwiQiI6MH19LCJMaW5lV2VpZ2h0IjowLjAsIkxpbmVUeXBlIjowLCJQYXJlbnRTdHlsZSI6bnVsbH0sIlBhcmVudFN0eWxlIjpudWxsfSwiSXNBYm92ZVRpbWViYW5kIjpmYWxzZSwiTWFyZ2luIjp7IiRpZCI6IjUwNiIsIlRvcCI6MC4wLCJMZWZ0IjowLjAsIlJpZ2h0IjowLjAsIkJvdHRvbSI6MC4wfSwiUGFkZGluZyI6eyIkaWQiOiI1MDciLCJUb3AiOjAuMCwiTGVmdCI6MC4wLCJSaWdodCI6MC4wLCJCb3R0b20iOjAuMH0sIklzVmlzaWJsZSI6dHJ1ZSwiV2lkdGgiOjAuMCwiSGVpZ2h0IjowLjAsIkJvcmRlclN0eWxlIjp7IiRpZCI6IjUwOCIsIkxpbmVDb2xvciI6bnVsbCwiTGluZVdlaWdodCI6MC4wLCJMaW5lVHlwZSI6MCwiUGFyZW50U3R5bGUiOm51bGx9LCJQYXJlbnRTdHlsZSI6bnVsbH19LHsiJGlkIjoiNTA5IiwiX2FjdGl2aXRpZXMiOlt7IiRpZCI6IjUxMCIsIl9yb3dzIjpbeyIkaWQiOiI1MTEiLCJfdGFza3MiOlt7IiRpZCI6IjUxMiIsIl9hdHRhY2hlZE1pbGVzdG9uZXMiOltdLCJUYXNrRGVmaW5pdGlvbiI6eyIkaWQiOiI1MTMiLCJHcm91cE5hbWUiOm51bGwsIlN0YXJ0RGF0ZSI6IjIwMjItMDUtMDdUMDA6MDA6MDBaIiwiRW5kRGF0ZSI6IjIwMjItMDYtMjlUMjM6NTk6MDBaIiwiUGVyY2VudGFnZUNvbXBsZXRlIjpudWxsLCJTdHlsZSI6eyIkaWQiOiI1MTQiLCJTaGFwZSI6MSwiU2hhcGVUaGlja25lc3MiOjEsIkR1cmF0aW9uRm9ybWF0IjowLCJJbmNsdWRlTm9uV29ya2luZ0RheXNJbkR1cmF0aW9uIjpmYWxzZSwiUGVyY2VudGFnZUNvbXBsZXRlU3R5bGUiOnsiJGlkIjoiNTE1IiwiRm9udFNldHRpbmdzIjp7IiRpZCI6IjUxNiIsIkZvbnRTaXplIjoxMCwiRm9udE5hbWUiOiJDYWxpYnJpIiwiSXNCb2xkIjpmYWxzZSwiSXNJdGFsaWMiOmZhbHNlLCJJc1VuZGVybGluZWQiOmZhbHNlLCJQYXJlbnRTdHlsZSI6bnVsbH0sIkF1dG9TaXplIjowLCJGb3JlZ3JvdW5kIjp7IiRyZWYiOiIxMCJ9LCJNYXhXaWR0aCI6MjAwLjAsIk1heEhlaWdodCI6IkluZmluaXR5IiwiU21hcnRGb3JlZ3JvdW5kSXNBY3RpdmUiOmZhbHNlLCJIb3Jpem9udGFsQWxpZ25tZW50IjowLCJWZXJ0aWNhbEFsaWdubWVudCI6MCwiU21hcnRGb3JlZ3JvdW5kIjpudWxsLCJCYWNrZ3JvdW5kRmlsbFR5cGUiOjAsIk1hcmdpbiI6eyIkcmVmIjoiNjcifSwiUGFkZGluZyI6eyIkcmVmIjoiNjgifSwiQmFja2dyb3VuZCI6eyIkcmVmIjoiNjkifSwiSXNWaXNpYmxlIjp0cnVlLCJXaWR0aCI6MC4wLCJIZWlnaHQiOjAuMCwiQm9yZGVyU3R5bGUiOnsiJGlkIjoiNTE3IiwiTGluZUNvbG9yIjpudWxsLCJMaW5lV2VpZ2h0IjowLjAsIkxpbmVUeXBlIjowLCJQYXJlbnRTdHlsZSI6bnVsbH0sIlBhcmVudFN0eWxlIjpudWxsfSwiRHVyYXRpb25TdHlsZSI6eyIkaWQiOiI1MTgiLCJGb250U2V0dGluZ3MiOnsiJGlkIjoiNTE5IiwiRm9udFNpemUiOjEwLCJGb250TmFtZSI6IkNhbGlicmkiLCJJc0JvbGQiOmZhbHNlLCJJc0l0YWxpYyI6ZmFsc2UsIklzVW5kZXJsaW5lZCI6ZmFsc2UsIlBhcmVudFN0eWxlIjpudWxsfSwiQXV0b1NpemUiOjAsIkZvcmVncm91bmQiOnsiJHJlZiI6Ijc0In0sIk1heFdpZHRoIjoyMDAuMCwiTWF4SGVpZ2h0IjoiSW5maW5pdHkiLCJTbWFydEZvcmVncm91bmRJc0FjdGl2ZSI6ZmFsc2UsIkhvcml6b250YWxBbGlnbm1lbnQiOjAsIlZlcnRpY2FsQWxpZ25tZW50IjowLCJTbWFydEZvcmVncm91bmQiOm51bGwsIkJhY2tncm91bmRGaWxsVHlwZSI6MCwiTWFyZ2luIjp7IiRyZWYiOiI3NiJ9LCJQYWRkaW5nIjp7IiRyZWYiOiI3NyJ9LCJCYWNrZ3JvdW5kIjp7IiRyZWYiOiI3OCJ9LCJJc1Zpc2libGUiOnRydWUsIldpZHRoIjowLjAsIkhlaWdodCI6MC4wLCJCb3JkZXJTdHlsZSI6eyIkaWQiOiI1MjAiLCJMaW5lQ29sb3IiOm51bGwsIkxpbmVXZWlnaHQiOjAuMCwiTGluZVR5cGUiOjAsIlBhcmVudFN0eWxlIjpudWxsfSwiUGFyZW50U3R5bGUiOm51bGx9LCJIb3Jpem9udGFsQ29ubmVjdG9yU3R5bGUiOnsiJGlkIjoiNTIxIiwiTGluZUNvbG9yIjp7IiRyZWYiOiI4MSJ9LCJMaW5lV2VpZ2h0IjoxLjAsIkxpbmVUeXBlIjowLCJQYXJlbnRTdHlsZSI6bnVsbH0sIlZlcnRpY2FsQ29ubmVjdG9yU3R5bGUiOnsiJGlkIjoiNTIyIiwiTGluZUNvbG9yIjp7IiRyZWYiOiI4NCJ9LCJMaW5lV2VpZ2h0IjowLjAsIkxpbmVUeXBlIjowLCJQYXJlbnRTdHlsZSI6bnVsbH0sIk1hcmdpbiI6bnVsbCwiU3RhcnREYXRlUG9zaXRpb24iOjMsIkVuZERhdGVQb3NpdGlvbiI6NCwiRGF0ZUlzVmlzaWJsZSI6dHJ1ZSwiVGl0bGVQb3NpdGlvbiI6MiwiRHVyYXRpb25Qb3NpdGlvbiI6NiwiUGVyY2VudGFnZUNvbXBsZXRlZFBvc2l0aW9uIjo2LCJTcGFjaW5nIjo1LCJJc0JlbG93VGltZWJhbmQiOnRydWUsIlBlcmNlbnRhZ2VDb21wbGV0ZVNoYXBlT3BhY2l0eSI6MzUsIlNoYXBlU3R5bGUiOnsiJGlkIjoiNTIzIiwiTWFyZ2luIjp7IiRyZWYiOiI4NyJ9LCJQYWRkaW5nIjp7IiRyZWYiOiI4OCJ9LCJCYWNrZ3JvdW5kIjp7IiRpZCI6IjUyNCIsIkNvbG9yIjp7IiRpZCI6IjUyNSIsIkEiOjI1NSwiUiI6MjYsIkciOjE3MCwiQiI6NjZ9fSwiSXNWaXNpYmxlIjp0cnVlLCJXaWR0aCI6MC4wLCJIZWlnaHQiOjE2LjAsIkJvcmRlclN0eWxlIjp7IiRpZCI6IjUyNiIsIkxpbmVDb2xvciI6eyIkaWQiOiI1MjciLCIkdHlwZSI6Ik5MUkUuQ29tbW9uLkRvbS5Tb2xpZENvbG9yQnJ1c2gsIE5MUkUuQ29tbW9uIiwiQ29sb3IiOnsiJGlkIjoiNTI4IiwiQSI6MjU1LCJSIjoyNTUsIkciOjAsIkIiOjB9fSwiTGluZVdlaWdodCI6MC4wLCJMaW5lVHlwZSI6MCwiUGFyZW50U3R5bGUiOm51bGx9LCJQYXJlbnRTdHlsZSI6bnVsbH0sIlRpdGxlU3R5bGUiOnsiJGlkIjoiNTI5IiwiRm9udFNldHRpbmdzIjp7IiRpZCI6IjUzMCIsIkZvbnRTaXplIjoxMSwiRm9udE5hbWUiOiJDYWxpYnJpIiwiSXNCb2xkIjp0cnVlLCJJc0l0YWxpYyI6ZmFsc2UsIklzVW5kZXJsaW5lZCI6ZmFsc2UsIlBhcmVudFN0eWxlIjpudWxsfSwiQXV0b1NpemUiOjAsIkZvcmVncm91bmQiOnsiJGlkIjoiNTMxIiwiQ29sb3IiOnsiJGlkIjoiNTMyIiwiQSI6MjU1LCJSIjowLCJHIjowLCJCIjowfX0sIk1heFdpZHRoIjo3MjAuMCwiTWF4SGVpZ2h0IjoiSW5maW5pdHkiLCJTbWFydEZvcmVncm91bmRJc0FjdGl2ZSI6ZmFsc2UsIkhvcml6b250YWxBbGlnbm1lbnQiOjEsIlZlcnRpY2FsQWxpZ25tZW50IjowLCJTbWFydEZvcmVncm91bmQiOm51bGwsIkJhY2tncm91bmRGaWxsVHlwZSI6MCwiTWFyZ2luIjp7IiRyZWYiOiI5OCJ9LCJQYWRkaW5nIjp7IiRyZWYiOiI5OSJ9LCJCYWNrZ3JvdW5kIjp7IiRpZCI6IjUzMyIsIkNvbG9yIjp7IiRpZCI6IjUzNCIsIkEiOjAsIlIiOjI1NSwiRyI6MjU1LCJCIjoyNTV9fSwiSXNWaXNpYmxlIjp0cnVlLCJXaWR0aCI6MC4wLCJIZWlnaHQiOjAuMCwiQm9yZGVyU3R5bGUiOnsiJGlkIjoiNTM1IiwiTGluZUNvbG9yIjpudWxsLCJMaW5lV2VpZ2h0IjowLjAsIkxpbmVUeXBlIjowLCJQYXJlbnRTdHlsZSI6bnVsbH0sIlBhcmVudFN0eWxlIjpudWxsfSwiRGF0ZVN0eWxlIjp7IiRpZCI6IjUzNiIsIkZvbnRTZXR0aW5ncyI6eyIkaWQiOiI1MzciLCJGb250U2l6ZSI6MTAsIkZvbnROYW1lIjoiQ2FsaWJyaSIsIklzQm9sZCI6ZmFsc2UsIklzSXRhbGljIjpmYWxzZSwiSXNVbmRlcmxpbmVkIjpmYWxzZSwiUGFyZW50U3R5bGUiOm51bGx9LCJBdXRvU2l6ZSI6MCwiRm9yZWdyb3VuZCI6eyIkaWQiOiI1MzgiLCJDb2xvciI6eyIkaWQiOiI1MzkiLCJBIjoyNTUsIlIiOjY4LCJHIjo4NCwiQiI6MTA2fX0sIk1heFdpZHRoIjoyMDAuMCwiTWF4SGVpZ2h0IjoiSW5maW5pdHkiLCJTbWFydEZvcmVncm91bmRJc0FjdGl2ZSI6ZmFsc2UsIkhvcml6b250YWxBbGlnbm1lbnQiOjEsIlZlcnRpY2FsQWxpZ25tZW50IjowLCJTbWFydEZvcmVncm91bmQiOm51bGwsIkJhY2tncm91bmRGaWxsVHlwZSI6MCwiTWFyZ2luIjp7IiRyZWYiOiIxMDcifSwiUGFkZGluZyI6eyIkcmVmIjoiMTA4In0sIkJhY2tncm91bmQiOnsiJGlkIjoiNTQwIiwiQ29sb3IiOnsiJGlkIjoiNTQxIiwiQSI6MCwiUiI6MjU1LCJHIjoyNTUsIkIiOjI1NX19LCJJc1Zpc2libGUiOnRydWUsIldpZHRoIjowLjAsIkhlaWdodCI6MC4wLCJCb3JkZXJTdHlsZSI6eyIkaWQiOiI1NDIiLCJMaW5lQ29sb3IiOm51bGwsIkxpbmVXZWlnaHQiOjAuMCwiTGluZVR5cGUiOjAsIlBhcmVudFN0eWxlIjpudWxsfSwiUGFyZW50U3R5bGUiOm51bGx9LCJEYXRlRm9ybWF0Ijp7IiRpZCI6IjU0MyIsIkZvcm1hdFN0cmluZyI6Ik1NTSBkIiwiU2VwYXJhdG9yIjoiLyIsIlVzZUludGVybmF0aW9uYWxEYXRlRm9ybWF0IjpmYWxzZSwiRGF0ZUlzVmlzaWJsZSI6dHJ1ZSwiVGltZUlzVmlzaWJsZSI6ZmFsc2UsIkhvdXJEaWdpdHMiOjEsIkFtUG1EZXNpZ25hdG9yIjoyLCJUcmltMDBNaW51dGVzIjpmYWxzZSwiTGFzdEtub3duVmlzaWJpbGl0eVN0YXRlIjpudWxsfSwiV2Vla051bWJlcmluZyI6eyIkaWQiOiI1NDQiLCJGb3JtYXQiOjAsIklzVmlzaWJsZSI6ZmFsc2UsIkxhc3RLbm93blZpc2liaWxpdHlTdGF0ZSI6ZmFsc2V9LCJJc1Zpc2libGUiOnRydWUsIlBhcmVudFN0eWxlIjpudWxsfSwiSW5kZXgiOjEyLCJTbWFydER1cmF0aW9uQWN0aXZhdGVkIjpmYWxzZSwiRGF0ZUZvcm1hdCI6eyIkcmVmIjoiNTQzIn0sIldlZWtOdW1iZXJpbmciOnsiJGlkIjoiNTQ1IiwiRm9ybWF0IjowLCJJc1Zpc2libGUiOmZhbHNlLCJMYXN0S25vd25WaXNpYmlsaXR5U3RhdGUiOmZhbHNlfSwiSWQiOiIwYzMwZTg3OC04YmU3LTRiNTUtYjU0Mi1jZDFmMTNkOTAwOTMiLCJJbXBvcnRJZCI6bnVsbCwiVGl0bGUiOiJDb2RpbmcgJiBEQiBJbml0aWF0aW9uICYgVGVzdGluZyIsIk5vdGUiOm51bGwsIkh5cGVybGluayI6eyIkaWQiOiI1NDYiLCJBZGRyZXNzIjoiIiwiU3ViQWRkcmVzcyI6IiJ9LCJJc0NoYW5nZWQiOmZhbHNlLCJJc05ldyI6ZmFsc2V9fV0sIl9taWxlc3RvbmVzIjpbXSwiSWQiOiIwMDAwMDAwMC0wMDAwLTAwMDAtMDAwMC0wMDAwMDAwMDAwMDAiLCJJc1NpbmdsZUl0ZW1Sb3ciOnRydWV9XSwiSW5kZXgiOjExLCJJZCI6ImIyYmZiYzBmLTBjZDktNDY0My1hMzFlLTBkYTk4MWQzOGU5OCIsIkhlYWRlclRleHQiOm51bGwsIklzRGVmYXVsdCI6dHJ1ZSwiU3R5bGUiOnsiJGlkIjoiNTQ3IiwiSGVhZGVyU3R5bGUiOnsiJGlkIjoiNTQ4IiwiVGV4dFN0eWxlIjp7IiRpZCI6IjU0OSIsIkZvbnRTZXR0aW5ncyI6eyIkaWQiOiI1NTAiLCJGb250U2l6ZSI6MTEsIkZvbnROYW1lIjoiQ2FsaWJyaSIsIklzQm9sZCI6ZmFsc2UsIklzSXRhbGljIjpmYWxzZSwiSXNVbmRlcmxpbmVkIjpmYWxzZSwiUGFyZW50U3R5bGUiOm51bGx9LCJBdXRvU2l6ZSI6MiwiRm9yZWdyb3VuZCI6eyIkaWQiOiI1NTEiLCJDb2xvciI6eyIkaWQiOiI1NTIiLCJBIjoyNTUsIlIiOjAsIkciOjAsIkIiOjB9fSwiTWF4V2lkdGgiOjAuMCwiTWF4SGVpZ2h0IjoiSW5maW5pdHkiLCJTbWFydEZvcmVncm91bmRJc0FjdGl2ZSI6ZmFsc2UsIkhvcml6b250YWxBbGlnbm1lbnQiOjAsIlZlcnRpY2FsQWxpZ25tZW50IjowLCJTbWFydEZvcmVncm91bmQiOm51bGwsIkJhY2tncm91bmRGaWxsVHlwZSI6MCwiTWFyZ2luIjp7IiRpZCI6IjU1MyIsIlRvcCI6MC4wLCJMZWZ0IjowLjAsIlJpZ2h0IjowLjAsIkJvdHRvbSI6MC4wfSwiUGFkZGluZyI6eyIkaWQiOiI1NTQiLCJUb3AiOjAuMCwiTGVmdCI6MC4wLCJSaWdodCI6MC4wLCJCb3R0b20iOjAuMH0sIkJhY2tncm91bmQiOm51bGwsIklzVmlzaWJsZSI6dHJ1ZSwiV2lkdGgiOjAuMCwiSGVpZ2h0IjowLjAsIkJvcmRlclN0eWxlIjpudWxsLCJQYXJlbnRTdHlsZSI6bnVsbH0sIlJlY3RhbmdsZVN0eWxlIjp7IiRpZCI6IjU1NSIsIk1hcmdpbiI6eyIkaWQiOiI1NTYiLCJUb3AiOjAuMCwiTGVmdCI6MC4wLCJSaWdodCI6MC4wLCJCb3R0b20iOjAuMH0sIlBhZGRpbmciOnsiJGlkIjoiNTU3IiwiVG9wIjowLjAsIkxlZnQiOjAuMCwiUmlnaHQiOjAuMCwiQm90dG9tIjowLjB9LCJCYWNrZ3JvdW5kIjp7IiRpZCI6IjU1OCIsIkNvbG9yIjp7IiRpZCI6IjU1OSIsIkEiOjYzLCJSIjo5MSwiRyI6MTU1LCJCIjoyMTN9fSwiSXNWaXNpYmxlIjp0cnVlLCJXaWR0aCI6MC4wLCJIZWlnaHQiOjAuMCwiQm9yZGVyU3R5bGUiOnsiJGlkIjoiNTYwIiwiTGluZUNvbG9yIjp7IiRpZCI6IjU2MSIsIiR0eXBlIjoiTkxSRS5Db21tb24uRG9tLlNvbGlkQ29sb3JCcnVzaCwgTkxSRS5Db21tb24iLCJDb2xvciI6eyIkaWQiOiI1NjIiLCJBIjoyNTUsIlIiOjI1NSwiRyI6MCwiQiI6MH19LCJMaW5lV2VpZ2h0IjowLjAsIkxpbmVUeXBlIjowLCJQYXJlbnRTdHlsZSI6bnVsbH0sIlBhcmVudFN0eWxlIjpudWxsfSwiTWFyZ2luIjp7IiRpZCI6IjU2MyIsIlRvcCI6MC4wLCJMZWZ0IjowLjAsIlJpZ2h0IjowLjAsIkJvdHRvbSI6MC4wfSwiUGFkZGluZyI6eyIkaWQiOiI1NjQiLCJUb3AiOjAuMCwiTGVmdCI6MC4wLCJSaWdodCI6MC4wLCJCb3R0b20iOjAuMH0sIkJhY2tncm91bmQiOm51bGwsIklzVmlzaWJsZSI6dHJ1ZSwiV2lkdGgiOjAuMCwiSGVpZ2h0IjowLjAsIkJvcmRlclN0eWxlIjpudWxsLCJQYXJlbnRTdHlsZSI6bnVsbH0sIkJhY2tncm91bmRTdHlsZSI6eyIkaWQiOiI1NjUiLCJNYXJnaW4iOnsiJGlkIjoiNTY2IiwiVG9wIjowLjAsIkxlZnQiOjAuMCwiUmlnaHQiOjAuMCwiQm90dG9tIjowLjB9LCJQYWRkaW5nIjp7IiRpZCI6IjU2NyIsIlRvcCI6MC4wLCJMZWZ0IjowLjAsIlJpZ2h0IjowLjAsIkJvdHRvbSI6MC4wfSwiQmFja2dyb3VuZCI6eyIkaWQiOiI1NjgiLCJDb2xvciI6eyIkaWQiOiI1NjkiLCJBIjo1MSwiUiI6MTY1LCJHIjoxNjUsIkIiOjE2NX19LCJJc1Zpc2libGUiOnRydWUsIldpZHRoIjowLjAsIkhlaWdodCI6MC4wLCJCb3JkZXJTdHlsZSI6eyIkaWQiOiI1NzAiLCJMaW5lQ29sb3IiOnsiJGlkIjoiNTcxIiwiJHR5cGUiOiJOTFJFLkNvbW1vbi5Eb20uU29saWRDb2xvckJydXNoLCBOTFJFLkNvbW1vbiIsIkNvbG9yIjp7IiRpZCI6IjU3MiIsIkEiOjI1NSwiUiI6MjU1LCJHIjowLCJCIjowfX0sIkxpbmVXZWlnaHQiOjAuMCwiTGluZVR5cGUiOjAsIlBhcmVudFN0eWxlIjpudWxsfSwiUGFyZW50U3R5bGUiOm51bGx9LCJNYXJnaW4iOnsiJGlkIjoiNTczIiwiVG9wIjowLjAsIkxlZnQiOjAuMCwiUmlnaHQiOjAuMCwiQm90dG9tIjowLjB9LCJQYWRkaW5nIjp7IiRpZCI6IjU3NCIsIlRvcCI6MC4wLCJMZWZ0IjowLjAsIlJpZ2h0IjowLjAsIkJvdHRvbSI6MC4wfSwiSXNWaXNpYmxlIjpmYWxzZSwiV2lkdGgiOjAuMCwiSGVpZ2h0IjowLjAsIkJvcmRlclN0eWxlIjpudWxsLCJQYXJlbnRTdHlsZSI6bnVsbH19XSwiSWQiOiIyYWFlNTFmNy1iNDYwLTQ5ZGQtYjlmMC03MjExYjY2ZjhkNGYiLCJJbmRleCI6MTEsIkhlYWRlclRleHQiOiJTb2Z0d2FyZSBJbXBsZW1lbnRhdGlvbiIsIlN0eWxlIjp7IiRpZCI6IjU3NSIsIkhlYWRlclN0eWxlIjp7IiRpZCI6IjU3NiIsIlRleHRJc1ZlcnRpY2FsIjpmYWxzZSwiVGV4dFN0eWxlIjp7IiRpZCI6IjU3NyIsIkZvbnRTZXR0aW5ncyI6eyIkaWQiOiI1NzgiLCJGb250U2l6ZSI6MTIsIkZvbnROYW1lIjoiQ2FsaWJyaSIsIklzQm9sZCI6ZmFsc2UsIklzSXRhbGljIjpmYWxzZSwiSXNVbmRlcmxpbmVkIjpmYWxzZSwiUGFyZW50U3R5bGUiOm51bGx9LCJBdXRvU2l6ZSI6MiwiRm9yZWdyb3VuZCI6eyIkaWQiOiI1NzkiLCJDb2xvciI6eyIkaWQiOiI1ODAiLCJBIjoyNTUsIlIiOjI1NSwiRyI6MjU1LCJCIjoyNTV9fSwiTWF4V2lkdGgiOjE2MC4wLCJNYXhIZWlnaHQiOiJJbmZpbml0eSIsIlNtYXJ0Rm9yZWdyb3VuZElzQWN0aXZlIjpmYWxzZSwiSG9yaXpvbnRhbEFsaWdubWVudCI6MCwiVmVydGljYWxBbGlnbm1lbnQiOjAsIlNtYXJ0Rm9yZWdyb3VuZCI6bnVsbCwiQmFja2dyb3VuZEZpbGxUeXBlIjowLCJNYXJnaW4iOnsiJGlkIjoiNTgxIiwiVG9wIjowLjAsIkxlZnQiOjAuMCwiUmlnaHQiOjAuMCwiQm90dG9tIjowLjB9LCJQYWRkaW5nIjp7IiRpZCI6IjU4MiIsIlRvcCI6MC4wLCJMZWZ0IjowLjAsIlJpZ2h0IjowLjAsIkJvdHRvbSI6MC4wfSwiQmFja2dyb3VuZCI6bnVsbCwiSXNWaXNpYmxlIjp0cnVlLCJXaWR0aCI6MC4wLCJIZWlnaHQiOjAuMCwiQm9yZGVyU3R5bGUiOm51bGwsIlBhcmVudFN0eWxlIjpudWxsfSwiUmVjdGFuZ2xlU3R5bGUiOnsiJGlkIjoiNTgzIiwiTWFyZ2luIjp7IiRpZCI6IjU4NCIsIlRvcCI6MC4wLCJMZWZ0IjowLjAsIlJpZ2h0IjowLjAsIkJvdHRvbSI6MC4wfSwiUGFkZGluZyI6eyIkaWQiOiI1ODUiLCJUb3AiOjAuMCwiTGVmdCI6MC4wLCJSaWdodCI6MC4wLCJCb3R0b20iOjAuMH0sIkJhY2tncm91bmQiOnsiJGlkIjoiNTg2IiwiQ29sb3IiOnsiJGlkIjoiNTg3IiwiQSI6MjU1LCJSIjo5MSwiRyI6MTU1LCJCIjoyMTN9fSwiSXNWaXNpYmxlIjp0cnVlLCJXaWR0aCI6MC4wLCJIZWlnaHQiOjAuMCwiQm9yZGVyU3R5bGUiOnsiJGlkIjoiNTg4IiwiTGluZUNvbG9yIjp7IiRpZCI6IjU4OSIsIiR0eXBlIjoiTkxSRS5Db21tb24uRG9tLlNvbGlkQ29sb3JCcnVzaCwgTkxSRS5Db21tb24iLCJDb2xvciI6eyIkaWQiOiI1OTAiLCJBIjoyNTUsIlIiOjI1NSwiRyI6MCwiQiI6MH19LCJMaW5lV2VpZ2h0IjowLjAsIkxpbmVUeXBlIjowLCJQYXJlbnRTdHlsZSI6bnVsbH0sIlBhcmVudFN0eWxlIjpudWxsfSwiTWFyZ2luIjp7IiRpZCI6IjU5MSIsIlRvcCI6MC4wLCJMZWZ0IjowLjAsIlJpZ2h0IjowLjAsIkJvdHRvbSI6MC4wfSwiUGFkZGluZyI6eyIkaWQiOiI1OTIiLCJUb3AiOjAuMCwiTGVmdCI6MC4wLCJSaWdodCI6MC4wLCJCb3R0b20iOjAuMH0sIkJhY2tncm91bmQiOm51bGwsIklzVmlzaWJsZSI6dHJ1ZSwiV2lkdGgiOjAuMCwiSGVpZ2h0IjowLjAsIkJvcmRlclN0eWxlIjpudWxsLCJQYXJlbnRTdHlsZSI6bnVsbH0sIkJhY2tncm91bmRTdHlsZSI6eyIkaWQiOiI1OTMiLCJNYXJnaW4iOnsiJGlkIjoiNTk0IiwiVG9wIjowLjAsIkxlZnQiOjAuMCwiUmlnaHQiOjAuMCwiQm90dG9tIjowLjB9LCJQYWRkaW5nIjp7IiRpZCI6IjU5NSIsIlRvcCI6MC4wLCJMZWZ0IjowLjAsIlJpZ2h0IjowLjAsIkJvdHRvbSI6MC4wfSwiQmFja2dyb3VuZCI6eyIkaWQiOiI1OTYiLCJDb2xvciI6eyIkaWQiOiI1OTciLCJBIjo1MSwiUiI6MTY1LCJHIjoxNjUsIkIiOjE2NX19LCJJc1Zpc2libGUiOnRydWUsIldpZHRoIjowLjAsIkhlaWdodCI6MC4wLCJCb3JkZXJTdHlsZSI6eyIkaWQiOiI1OTgiLCJMaW5lQ29sb3IiOnsiJGlkIjoiNTk5IiwiJHR5cGUiOiJOTFJFLkNvbW1vbi5Eb20uU29saWRDb2xvckJydXNoLCBOTFJFLkNvbW1vbiIsIkNvbG9yIjp7IiRpZCI6IjYwMCIsIkEiOjI1NSwiUiI6MjU1LCJHIjowLCJCIjowfX0sIkxpbmVXZWlnaHQiOjAuMCwiTGluZVR5cGUiOjAsIlBhcmVudFN0eWxlIjpudWxsfSwiUGFyZW50U3R5bGUiOm51bGx9LCJJc0Fib3ZlVGltZWJhbmQiOmZhbHNlLCJNYXJnaW4iOnsiJGlkIjoiNjAxIiwiVG9wIjowLjAsIkxlZnQiOjAuMCwiUmlnaHQiOjAuMCwiQm90dG9tIjowLjB9LCJQYWRkaW5nIjp7IiRpZCI6IjYwMiIsIlRvcCI6MC4wLCJMZWZ0IjowLjAsIlJpZ2h0IjowLjAsIkJvdHRvbSI6MC4wfSwiSXNWaXNpYmxlIjp0cnVlLCJXaWR0aCI6MC4wLCJIZWlnaHQiOjAuMCwiQm9yZGVyU3R5bGUiOnsiJGlkIjoiNjAzIiwiTGluZUNvbG9yIjpudWxsLCJMaW5lV2VpZ2h0IjowLjAsIkxpbmVUeXBlIjowLCJQYXJlbnRTdHlsZSI6bnVsbH0sIlBhcmVudFN0eWxlIjpudWxsfX0seyIkaWQiOiI2MDQiLCJfYWN0aXZpdGllcyI6W3siJGlkIjoiNjA1IiwiX3Jvd3MiOlt7IiRpZCI6IjYwNiIsIl90YXNrcyI6W3siJGlkIjoiNjA3IiwiX2F0dGFjaGVkTWlsZXN0b25lcyI6W10sIlRhc2tEZWZpbml0aW9uIjp7IiRpZCI6IjYwOCIsIkdyb3VwTmFtZSI6bnVsbCwiU3RhcnREYXRlIjoiMjAyMi0wNi0zMFQwMDowMDowMFoiLCJFbmREYXRlIjoiMjAyMi0wNi0zMFQyMzo1OTowMFoiLCJQZXJjZW50YWdlQ29tcGxldGUiOm51bGwsIlN0eWxlIjp7IiRpZCI6IjYwOSIsIlNoYXBlIjoxLCJTaGFwZVRoaWNrbmVzcyI6MSwiRHVyYXRpb25Gb3JtYXQiOjAsIkluY2x1ZGVOb25Xb3JraW5nRGF5c0luRHVyYXRpb24iOmZhbHNlLCJQZXJjZW50YWdlQ29tcGxldGVTdHlsZSI6eyIkaWQiOiI2MTAiLCJGb250U2V0dGluZ3MiOnsiJGlkIjoiNjExIiwiRm9udFNpemUiOjEwLCJGb250TmFtZSI6IkNhbGlicmkiLCJJc0JvbGQiOmZhbHNlLCJJc0l0YWxpYyI6ZmFsc2UsIklzVW5kZXJsaW5lZCI6ZmFsc2UsIlBhcmVudFN0eWxlIjpudWxsfSwiQXV0b1NpemUiOjAsIkZvcmVncm91bmQiOnsiJHJlZiI6IjEwIn0sIk1heFdpZHRoIjoyMDAuMCwiTWF4SGVpZ2h0IjoiSW5maW5pdHkiLCJTbWFydEZvcmVncm91bmRJc0FjdGl2ZSI6ZmFsc2UsIkhvcml6b250YWxBbGlnbm1lbnQiOjAsIlZlcnRpY2FsQWxpZ25tZW50IjowLCJTbWFydEZvcmVncm91bmQiOm51bGwsIkJhY2tncm91bmRGaWxsVHlwZSI6MCwiTWFyZ2luIjp7IiRyZWYiOiI2NyJ9LCJQYWRkaW5nIjp7IiRyZWYiOiI2OCJ9LCJCYWNrZ3JvdW5kIjp7IiRyZWYiOiI2OSJ9LCJJc1Zpc2libGUiOnRydWUsIldpZHRoIjowLjAsIkhlaWdodCI6MC4wLCJCb3JkZXJTdHlsZSI6eyIkaWQiOiI2MTIiLCJMaW5lQ29sb3IiOm51bGwsIkxpbmVXZWlnaHQiOjAuMCwiTGluZVR5cGUiOjAsIlBhcmVudFN0eWxlIjpudWxsfSwiUGFyZW50U3R5bGUiOm51bGx9LCJEdXJhdGlvblN0eWxlIjp7IiRpZCI6IjYxMyIsIkZvbnRTZXR0aW5ncyI6eyIkaWQiOiI2MTQiLCJGb250U2l6ZSI6MTAsIkZvbnROYW1lIjoiQ2FsaWJyaSIsIklzQm9sZCI6ZmFsc2UsIklzSXRhbGljIjpmYWxzZSwiSXNVbmRlcmxpbmVkIjpmYWxzZSwiUGFyZW50U3R5bGUiOm51bGx9LCJBdXRvU2l6ZSI6MCwiRm9yZWdyb3VuZCI6eyIkcmVmIjoiNzQifSwiTWF4V2lkdGgiOjIwMC4wLCJNYXhIZWlnaHQiOiJJbmZpbml0eSIsIlNtYXJ0Rm9yZWdyb3VuZElzQWN0aXZlIjpmYWxzZSwiSG9yaXpvbnRhbEFsaWdubWVudCI6MCwiVmVydGljYWxBbGlnbm1lbnQiOjAsIlNtYXJ0Rm9yZWdyb3VuZCI6bnVsbCwiQmFja2dyb3VuZEZpbGxUeXBlIjowLCJNYXJnaW4iOnsiJHJlZiI6Ijc2In0sIlBhZGRpbmciOnsiJHJlZiI6Ijc3In0sIkJhY2tncm91bmQiOnsiJHJlZiI6Ijc4In0sIklzVmlzaWJsZSI6dHJ1ZSwiV2lkdGgiOjAuMCwiSGVpZ2h0IjowLjAsIkJvcmRlclN0eWxlIjp7IiRpZCI6IjYxNSIsIkxpbmVDb2xvciI6bnVsbCwiTGluZVdlaWdodCI6MC4wLCJMaW5lVHlwZSI6MCwiUGFyZW50U3R5bGUiOm51bGx9LCJQYXJlbnRTdHlsZSI6bnVsbH0sIkhvcml6b250YWxDb25uZWN0b3JTdHlsZSI6eyIkaWQiOiI2MTYiLCJMaW5lQ29sb3IiOnsiJHJlZiI6IjgxIn0sIkxpbmVXZWlnaHQiOjEuMCwiTGluZVR5cGUiOjAsIlBhcmVudFN0eWxlIjpudWxsfSwiVmVydGljYWxDb25uZWN0b3JTdHlsZSI6eyIkaWQiOiI2MTciLCJMaW5lQ29sb3IiOnsiJHJlZiI6Ijg0In0sIkxpbmVXZWlnaHQiOjAuMCwiTGluZVR5cGUiOjAsIlBhcmVudFN0eWxlIjpudWxsfSwiTWFyZ2luIjpudWxsLCJTdGFydERhdGVQb3NpdGlvbiI6MywiRW5kRGF0ZVBvc2l0aW9uIjo0LCJEYXRlSXNWaXNpYmxlIjp0cnVlLCJUaXRsZVBvc2l0aW9uIjowLCJEdXJhdGlvblBvc2l0aW9uIjo2LCJQZXJjZW50YWdlQ29tcGxldGVkUG9zaXRpb24iOjYsIlNwYWNpbmciOjUsIklzQmVsb3dUaW1lYmFuZCI6dHJ1ZSwiUGVyY2VudGFnZUNvbXBsZXRlU2hhcGVPcGFjaXR5IjozNSwiU2hhcGVTdHlsZSI6eyIkaWQiOiI2MTgiLCJNYXJnaW4iOnsiJHJlZiI6Ijg3In0sIlBhZGRpbmciOnsiJHJlZiI6Ijg4In0sIkJhY2tncm91bmQiOnsiJGlkIjoiNjE5IiwiQ29sb3IiOnsiJGlkIjoiNjIwIiwiQSI6MjU1LCJSIjoyNiwiRyI6MTcwLCJCIjo2Nn19LCJJc1Zpc2libGUiOnRydWUsIldpZHRoIjowLjAsIkhlaWdodCI6MTYuMCwiQm9yZGVyU3R5bGUiOnsiJGlkIjoiNjIxIiwiTGluZUNvbG9yIjp7IiRpZCI6IjYyMiIsIiR0eXBlIjoiTkxSRS5Db21tb24uRG9tLlNvbGlkQ29sb3JCcnVzaCwgTkxSRS5Db21tb24iLCJDb2xvciI6eyIkaWQiOiI2MjMiLCJBIjoyNTUsIlIiOjI1NSwiRyI6MCwiQiI6MH19LCJMaW5lV2VpZ2h0IjowLjAsIkxpbmVUeXBlIjowLCJQYXJlbnRTdHlsZSI6bnVsbH0sIlBhcmVudFN0eWxlIjpudWxsfSwiVGl0bGVTdHlsZSI6eyIkaWQiOiI2MjQiLCJGb250U2V0dGluZ3MiOnsiJGlkIjoiNjI1IiwiRm9udFNpemUiOjExLCJGb250TmFtZSI6IkNhbGlicmkiLCJJc0JvbGQiOnRydWUsIklzSXRhbGljIjpmYWxzZSwiSXNVbmRlcmxpbmVkIjpmYWxzZSwiUGFyZW50U3R5bGUiOm51bGx9LCJBdXRvU2l6ZSI6MCwiRm9yZWdyb3VuZCI6eyIkaWQiOiI2MjYiLCJDb2xvciI6eyIkaWQiOiI2MjciLCJBIjoyNTUsIlIiOjAsIkciOjAsIkIiOjB9fSwiTWF4V2lkdGgiOjcyMC4wLCJNYXhIZWlnaHQiOiJJbmZpbml0eSIsIlNtYXJ0Rm9yZWdyb3VuZElzQWN0aXZlIjpmYWxzZSwiSG9yaXpvbnRhbEFsaWdubWVudCI6MCwiVmVydGljYWxBbGlnbm1lbnQiOjAsIlNtYXJ0Rm9yZWdyb3VuZCI6bnVsbCwiQmFja2dyb3VuZEZpbGxUeXBlIjowLCJNYXJnaW4iOnsiJHJlZiI6Ijk4In0sIlBhZGRpbmciOnsiJHJlZiI6Ijk5In0sIkJhY2tncm91bmQiOnsiJGlkIjoiNjI4IiwiQ29sb3IiOnsiJGlkIjoiNjI5IiwiQSI6MCwiUiI6MjU1LCJHIjoyNTUsIkIiOjI1NX19LCJJc1Zpc2libGUiOnRydWUsIldpZHRoIjowLjAsIkhlaWdodCI6MC4wLCJCb3JkZXJTdHlsZSI6eyIkaWQiOiI2MzAiLCJMaW5lQ29sb3IiOm51bGwsIkxpbmVXZWlnaHQiOjAuMCwiTGluZVR5cGUiOjAsIlBhcmVudFN0eWxlIjpudWxsfSwiUGFyZW50U3R5bGUiOm51bGx9LCJEYXRlU3R5bGUiOnsiJGlkIjoiNjMxIiwiRm9udFNldHRpbmdzIjp7IiRpZCI6IjYzMiIsIkZvbnRTaXplIjoxMCwiRm9udE5hbWUiOiJDYWxpYnJpIiwiSXNCb2xkIjpmYWxzZSwiSXNJdGFsaWMiOmZhbHNlLCJJc1VuZGVybGluZWQiOmZhbHNlLCJQYXJlbnRTdHlsZSI6bnVsbH0sIkF1dG9TaXplIjowLCJGb3JlZ3JvdW5kIjp7IiRpZCI6IjYzMyIsIkNvbG9yIjp7IiRpZCI6IjYzNCIsIkEiOjI1NSwiUiI6NjgsIkciOjg0LCJCIjoxMDZ9fSwiTWF4V2lkdGgiOjIwMC4wLCJNYXhIZWlnaHQiOiJJbmZpbml0eSIsIlNtYXJ0Rm9yZWdyb3VuZElzQWN0aXZlIjpmYWxzZSwiSG9yaXpvbnRhbEFsaWdubWVudCI6MSwiVmVydGljYWxBbGlnbm1lbnQiOjAsIlNtYXJ0Rm9yZWdyb3VuZCI6bnVsbCwiQmFja2dyb3VuZEZpbGxUeXBlIjowLCJNYXJnaW4iOnsiJHJlZiI6IjEwNyJ9LCJQYWRkaW5nIjp7IiRyZWYiOiIxMDgifSwiQmFja2dyb3VuZCI6eyIkaWQiOiI2MzUiLCJDb2xvciI6eyIkaWQiOiI2MzYiLCJBIjowLCJSIjoyNTUsIkciOjI1NSwiQiI6MjU1fX0sIklzVmlzaWJsZSI6dHJ1ZSwiV2lkdGgiOjAuMCwiSGVpZ2h0IjowLjAsIkJvcmRlclN0eWxlIjp7IiRpZCI6IjYzNyIsIkxpbmVDb2xvciI6bnVsbCwiTGluZVdlaWdodCI6MC4wLCJMaW5lVHlwZSI6MCwiUGFyZW50U3R5bGUiOm51bGx9LCJQYXJlbnRTdHlsZSI6bnVsbH0sIkRhdGVGb3JtYXQiOnsiJGlkIjoiNjM4IiwiRm9ybWF0U3RyaW5nIjoiTU1NIGQiLCJTZXBhcmF0b3IiOiIvIiwiVXNlSW50ZXJuYXRpb25hbERhdGVGb3JtYXQiOmZhbHNlLCJEYXRlSXNWaXNpYmxlIjp0cnVlLCJUaW1lSXNWaXNpYmxlIjpmYWxzZSwiSG91ckRpZ2l0cyI6MSwiQW1QbURlc2lnbmF0b3IiOjIsIlRyaW0wME1pbnV0ZXMiOmZhbHNlLCJMYXN0S25vd25WaXNpYmlsaXR5U3RhdGUiOm51bGx9LCJXZWVrTnVtYmVyaW5nIjp7IiRpZCI6IjYzOSIsIkZvcm1hdCI6MCwiSXNWaXNpYmxlIjpmYWxzZSwiTGFzdEtub3duVmlzaWJpbGl0eVN0YXRlIjpmYWxzZX0sIklzVmlzaWJsZSI6dHJ1ZSwiUGFyZW50U3R5bGUiOm51bGx9LCJJbmRleCI6MTQsIlNtYXJ0RHVyYXRpb25BY3RpdmF0ZWQiOmZhbHNlLCJEYXRlRm9ybWF0Ijp7IiRyZWYiOiI2MzgifSwiV2Vla051bWJlcmluZyI6eyIkaWQiOiI2NDAiLCJGb3JtYXQiOjAsIklzVmlzaWJsZSI6ZmFsc2UsIkxhc3RLbm93blZpc2liaWxpdHlTdGF0ZSI6ZmFsc2V9LCJJZCI6ImZlMzA1ODE3LTRiM2QtNDQ3Yi05ZWMzLTg2Y2M4ODlkNTE1OCIsIkltcG9ydElkIjpudWxsLCJUaXRsZSI6IkRlcGxveW1lbnQiLCJOb3RlIjpudWxsLCJIeXBlcmxpbmsiOnsiJGlkIjoiNjQxIiwiQWRkcmVzcyI6IiIsIlN1YkFkZHJlc3MiOiIifSwiSXNDaGFuZ2VkIjpmYWxzZSwiSXNOZXciOmZhbHNlfX1dLCJfbWlsZXN0b25lcyI6W10sIklkIjoiMDAwMDAwMDAtMDAwMC0wMDAwLTAwMDAtMDAwMDAwMDAwMDAwIiwiSXNTaW5nbGVJdGVtUm93Ijp0cnVlfV0sIkluZGV4IjoxMywiSWQiOiI3ZjY1YzYzMy0yM2RlLTQ0YzUtYjVjMi00YTVlMTI5MWQwNjYiLCJIZWFkZXJUZXh0IjpudWxsLCJJc0RlZmF1bHQiOnRydWUsIlN0eWxlIjp7IiRpZCI6IjY0MiIsIkhlYWRlclN0eWxlIjp7IiRpZCI6IjY0MyIsIlRleHRTdHlsZSI6eyIkaWQiOiI2NDQiLCJGb250U2V0dGluZ3MiOnsiJGlkIjoiNjQ1IiwiRm9udFNpemUiOjExLCJGb250TmFtZSI6IkNhbGlicmkiLCJJc0JvbGQiOmZhbHNlLCJJc0l0YWxpYyI6ZmFsc2UsIklzVW5kZXJsaW5lZCI6ZmFsc2UsIlBhcmVudFN0eWxlIjpudWxsfSwiQXV0b1NpemUiOjIsIkZvcmVncm91bmQiOnsiJGlkIjoiNjQ2IiwiQ29sb3IiOnsiJGlkIjoiNjQ3IiwiQSI6MjU1LCJSIjowLCJHIjowLCJCIjowfX0sIk1heFdpZHRoIjowLjAsIk1heEhlaWdodCI6IkluZmluaXR5IiwiU21hcnRGb3JlZ3JvdW5kSXNBY3RpdmUiOmZhbHNlLCJIb3Jpem9udGFsQWxpZ25tZW50IjowLCJWZXJ0aWNhbEFsaWdubWVudCI6MCwiU21hcnRGb3JlZ3JvdW5kIjpudWxsLCJCYWNrZ3JvdW5kRmlsbFR5cGUiOjAsIk1hcmdpbiI6eyIkaWQiOiI2NDgiLCJUb3AiOjAuMCwiTGVmdCI6MC4wLCJSaWdodCI6MC4wLCJCb3R0b20iOjAuMH0sIlBhZGRpbmciOnsiJGlkIjoiNjQ5IiwiVG9wIjowLjAsIkxlZnQiOjAuMCwiUmlnaHQiOjAuMCwiQm90dG9tIjowLjB9LCJCYWNrZ3JvdW5kIjpudWxsLCJJc1Zpc2libGUiOnRydWUsIldpZHRoIjowLjAsIkhlaWdodCI6MC4wLCJCb3JkZXJTdHlsZSI6bnVsbCwiUGFyZW50U3R5bGUiOm51bGx9LCJSZWN0YW5nbGVTdHlsZSI6eyIkaWQiOiI2NTAiLCJNYXJnaW4iOnsiJGlkIjoiNjUxIiwiVG9wIjowLjAsIkxlZnQiOjAuMCwiUmlnaHQiOjAuMCwiQm90dG9tIjowLjB9LCJQYWRkaW5nIjp7IiRpZCI6IjY1MiIsIlRvcCI6MC4wLCJMZWZ0IjowLjAsIlJpZ2h0IjowLjAsIkJvdHRvbSI6MC4wfSwiQmFja2dyb3VuZCI6eyIkaWQiOiI2NTMiLCJDb2xvciI6eyIkaWQiOiI2NTQiLCJBIjo2MywiUiI6MjM3LCJHIjoxMjUsIkIiOjQ5fX0sIklzVmlzaWJsZSI6dHJ1ZSwiV2lkdGgiOjAuMCwiSGVpZ2h0IjowLjAsIkJvcmRlclN0eWxlIjp7IiRpZCI6IjY1NSIsIkxpbmVDb2xvciI6eyIkaWQiOiI2NTYiLCIkdHlwZSI6Ik5MUkUuQ29tbW9uLkRvbS5Tb2xpZENvbG9yQnJ1c2gsIE5MUkUuQ29tbW9uIiwiQ29sb3IiOnsiJGlkIjoiNjU3IiwiQSI6MjU1LCJSIjoyNTUsIkciOjAsIkIiOjB9fSwiTGluZVdlaWdodCI6MC4wLCJMaW5lVHlwZSI6MCwiUGFyZW50U3R5bGUiOm51bGx9LCJQYXJlbnRTdHlsZSI6bnVsbH0sIk1hcmdpbiI6eyIkaWQiOiI2NTgiLCJUb3AiOjAuMCwiTGVmdCI6MC4wLCJSaWdodCI6MC4wLCJCb3R0b20iOjAuMH0sIlBhZGRpbmciOnsiJGlkIjoiNjU5IiwiVG9wIjowLjAsIkxlZnQiOjAuMCwiUmlnaHQiOjAuMCwiQm90dG9tIjowLjB9LCJCYWNrZ3JvdW5kIjpudWxsLCJJc1Zpc2libGUiOnRydWUsIldpZHRoIjowLjAsIkhlaWdodCI6MC4wLCJCb3JkZXJTdHlsZSI6bnVsbCwiUGFyZW50U3R5bGUiOm51bGx9LCJCYWNrZ3JvdW5kU3R5bGUiOnsiJGlkIjoiNjYwIiwiTWFyZ2luIjp7IiRpZCI6IjY2MSIsIlRvcCI6MC4wLCJMZWZ0IjowLjAsIlJpZ2h0IjowLjAsIkJvdHRvbSI6MC4wfSwiUGFkZGluZyI6eyIkaWQiOiI2NjIiLCJUb3AiOjAuMCwiTGVmdCI6MC4wLCJSaWdodCI6MC4wLCJCb3R0b20iOjAuMH0sIkJhY2tncm91bmQiOnsiJGlkIjoiNjYzIiwiQ29sb3IiOnsiJGlkIjoiNjY0IiwiQSI6NTEsIlIiOjE2NSwiRyI6MTY1LCJCIjoxNjV9fSwiSXNWaXNpYmxlIjp0cnVlLCJXaWR0aCI6MC4wLCJIZWlnaHQiOjAuMCwiQm9yZGVyU3R5bGUiOnsiJGlkIjoiNjY1IiwiTGluZUNvbG9yIjp7IiRpZCI6IjY2NiIsIiR0eXBlIjoiTkxSRS5Db21tb24uRG9tLlNvbGlkQ29sb3JCcnVzaCwgTkxSRS5Db21tb24iLCJDb2xvciI6eyIkaWQiOiI2NjciLCJBIjoyNTUsIlIiOjI1NSwiRyI6MCwiQiI6MH19LCJMaW5lV2VpZ2h0IjowLjAsIkxpbmVUeXBlIjowLCJQYXJlbnRTdHlsZSI6bnVsbH0sIlBhcmVudFN0eWxlIjpudWxsfSwiTWFyZ2luIjp7IiRpZCI6IjY2OCIsIlRvcCI6MC4wLCJMZWZ0IjowLjAsIlJpZ2h0IjowLjAsIkJvdHRvbSI6MC4wfSwiUGFkZGluZyI6eyIkaWQiOiI2NjkiLCJUb3AiOjAuMCwiTGVmdCI6MC4wLCJSaWdodCI6MC4wLCJCb3R0b20iOjAuMH0sIklzVmlzaWJsZSI6ZmFsc2UsIldpZHRoIjowLjAsIkhlaWdodCI6MC4wLCJCb3JkZXJTdHlsZSI6bnVsbCwiUGFyZW50U3R5bGUiOm51bGx9fV0sIklkIjoiODczNDMxYTgtMGYwZS00N2FlLWJmZmEtYjA4ZGI5NmY5ZTVkIiwiSW5kZXgiOjEzLCJIZWFkZXJUZXh0IjoiUmVsZWFzaW5nIiwiU3R5bGUiOnsiJGlkIjoiNjcwIiwiSGVhZGVyU3R5bGUiOnsiJGlkIjoiNjcxIiwiVGV4dElzVmVydGljYWwiOmZhbHNlLCJUZXh0U3R5bGUiOnsiJGlkIjoiNjcyIiwiRm9udFNldHRpbmdzIjp7IiRpZCI6IjY3MyIsIkZvbnRTaXplIjoxMiwiRm9udE5hbWUiOiJDYWxpYnJpIiwiSXNCb2xkIjpmYWxzZSwiSXNJdGFsaWMiOmZhbHNlLCJJc1VuZGVybGluZWQiOmZhbHNlLCJQYXJlbnRTdHlsZSI6bnVsbH0sIkF1dG9TaXplIjoyLCJGb3JlZ3JvdW5kIjp7IiRyZWYiOiI1NzkifSwiTWF4V2lkdGgiOjE2MC4wLCJNYXhIZWlnaHQiOiJJbmZpbml0eSIsIlNtYXJ0Rm9yZWdyb3VuZElzQWN0aXZlIjpmYWxzZSwiSG9yaXpvbnRhbEFsaWdubWVudCI6MCwiVmVydGljYWxBbGlnbm1lbnQiOjAsIlNtYXJ0Rm9yZWdyb3VuZCI6bnVsbCwiQmFja2dyb3VuZEZpbGxUeXBlIjowLCJNYXJnaW4iOnsiJHJlZiI6IjU4MSJ9LCJQYWRkaW5nIjp7IiRyZWYiOiI1ODIifSwiQmFja2dyb3VuZCI6bnVsbCwiSXNWaXNpYmxlIjp0cnVlLCJXaWR0aCI6MC4wLCJIZWlnaHQiOjAuMCwiQm9yZGVyU3R5bGUiOm51bGwsIlBhcmVudFN0eWxlIjpudWxsfSwiUmVjdGFuZ2xlU3R5bGUiOnsiJGlkIjoiNjc0IiwiTWFyZ2luIjp7IiRpZCI6IjY3NSIsIlRvcCI6MC4wLCJMZWZ0IjowLjAsIlJpZ2h0IjowLjAsIkJvdHRvbSI6MC4wfSwiUGFkZGluZyI6eyIkaWQiOiI2NzYiLCJUb3AiOjAuMCwiTGVmdCI6MC4wLCJSaWdodCI6MC4wLCJCb3R0b20iOjAuMH0sIkJhY2tncm91bmQiOnsiJGlkIjoiNjc3IiwiQ29sb3IiOnsiJGlkIjoiNjc4IiwiQSI6MjU1LCJSIjoyMzcsIkciOjEyNSwiQiI6NDl9fSwiSXNWaXNpYmxlIjp0cnVlLCJXaWR0aCI6MC4wLCJIZWlnaHQiOjAuMCwiQm9yZGVyU3R5bGUiOnsiJGlkIjoiNjc5IiwiTGluZUNvbG9yIjp7IiRpZCI6IjY4MCIsIiR0eXBlIjoiTkxSRS5Db21tb24uRG9tLlNvbGlkQ29sb3JCcnVzaCwgTkxSRS5Db21tb24iLCJDb2xvciI6eyIkaWQiOiI2ODEiLCJBIjoyNTUsIlIiOjI1NSwiRyI6MCwiQiI6MH19LCJMaW5lV2VpZ2h0IjowLjAsIkxpbmVUeXBlIjowLCJQYXJlbnRTdHlsZSI6bnVsbH0sIlBhcmVudFN0eWxlIjpudWxsfSwiTWFyZ2luIjp7IiRpZCI6IjY4MiIsIlRvcCI6MC4wLCJMZWZ0IjowLjAsIlJpZ2h0IjowLjAsIkJvdHRvbSI6MC4wfSwiUGFkZGluZyI6eyIkaWQiOiI2ODMiLCJUb3AiOjAuMCwiTGVmdCI6MC4wLCJSaWdodCI6MC4wLCJCb3R0b20iOjAuMH0sIkJhY2tncm91bmQiOm51bGwsIklzVmlzaWJsZSI6dHJ1ZSwiV2lkdGgiOjAuMCwiSGVpZ2h0IjowLjAsIkJvcmRlclN0eWxlIjpudWxsLCJQYXJlbnRTdHlsZSI6bnVsbH0sIkJhY2tncm91bmRTdHlsZSI6eyIkaWQiOiI2ODQiLCJNYXJnaW4iOnsiJGlkIjoiNjg1IiwiVG9wIjowLjAsIkxlZnQiOjAuMCwiUmlnaHQiOjAuMCwiQm90dG9tIjowLjB9LCJQYWRkaW5nIjp7IiRpZCI6IjY4NiIsIlRvcCI6MC4wLCJMZWZ0IjowLjAsIlJpZ2h0IjowLjAsIkJvdHRvbSI6MC4wfSwiQmFja2dyb3VuZCI6eyIkaWQiOiI2ODciLCJDb2xvciI6eyIkaWQiOiI2ODgiLCJBIjo1MSwiUiI6MTY1LCJHIjoxNjUsIkIiOjE2NX19LCJJc1Zpc2libGUiOnRydWUsIldpZHRoIjowLjAsIkhlaWdodCI6MC4wLCJCb3JkZXJTdHlsZSI6eyIkaWQiOiI2ODkiLCJMaW5lQ29sb3IiOnsiJGlkIjoiNjkwIiwiJHR5cGUiOiJOTFJFLkNvbW1vbi5Eb20uU29saWRDb2xvckJydXNoLCBOTFJFLkNvbW1vbiIsIkNvbG9yIjp7IiRpZCI6IjY5MSIsIkEiOjI1NSwiUiI6MjU1LCJHIjowLCJCIjowfX0sIkxpbmVXZWlnaHQiOjAuMCwiTGluZVR5cGUiOjAsIlBhcmVudFN0eWxlIjpudWxsfSwiUGFyZW50U3R5bGUiOm51bGx9LCJJc0Fib3ZlVGltZWJhbmQiOmZhbHNlLCJNYXJnaW4iOnsiJGlkIjoiNjkyIiwiVG9wIjowLjAsIkxlZnQiOjAuMCwiUmlnaHQiOjAuMCwiQm90dG9tIjowLjB9LCJQYWRkaW5nIjp7IiRpZCI6IjY5MyIsIlRvcCI6MC4wLCJMZWZ0IjowLjAsIlJpZ2h0IjowLjAsIkJvdHRvbSI6MC4wfSwiSXNWaXNpYmxlIjp0cnVlLCJXaWR0aCI6MC4wLCJIZWlnaHQiOjAuMCwiQm9yZGVyU3R5bGUiOnsiJGlkIjoiNjk0IiwiTGluZUNvbG9yIjpudWxsLCJMaW5lV2VpZ2h0IjowLjAsIkxpbmVUeXBlIjowLCJQYXJlbnRTdHlsZSI6bnVsbH0sIlBhcmVudFN0eWxlIjpudWxsfX1dLCJDdWx0dXJlSW5mb05hbWUiOiJlbi1VUyIsIlN0eWxlTmFtZSI6bnVsbCwiVmVyc2lvbiI6eyIkaWQiOiI2OTUiLCJWZXJzaW9uIjoiMy42LjEiLCJPcmlnaW5hbEFzc2VtYmx5VmVyc2lvbiI6IjYuMDYuMDIuMDAiLCJFZGl0aW9uIjpudWxsLCJMYXN0U2F2ZWRFZGl0aW9uIjowLCJJc1BsdXNFZGl0aW9uIjpmYWxzZSwiSXNQcm9FZGl0aW9uIjpmYWxzZX0sIkVmZmVjdCI6MSwiU3R5bGUiOnsiJGlkIjoiNjk2IiwiVGltZWJhbmRTdHlsZSI6eyIkaWQiOiI2OTciLCJTY2FsZU1hcmtpbmciOjAsIlNoYXBlIjowLCJTaGFwZVN0eWxlIjp7IiRpZCI6IjY5OCIsIk1hcmdpbiI6eyIkaWQiOiI2OTkiLCJUb3AiOjAuMCwiTGVmdCI6MTAuMCwiUmlnaHQiOjEwLjAsIkJvdHRvbSI6MC4wfSwiUGFkZGluZyI6eyIkaWQiOiI3MDAiLCJUb3AiOjUuMCwiTGVmdCI6MTMuMCwiUmlnaHQiOjEzLjAsIkJvdHRvbSI6NS4wfSwiQmFja2dyb3VuZCI6eyIkaWQiOiI3MDEiLCJDb2xvciI6eyIkaWQiOiI3MDIiLCJBIjoyNTUsIlIiOjY4LCJHIjo4NCwiQiI6MTA2fX0sIklzVmlzaWJsZSI6dHJ1ZSwiV2lkdGgiOjg1OC4wLCJIZWlnaHQiOjMwLjAsIkJvcmRlclN0eWxlIjp7IiRpZCI6IjcwMyIsIkxpbmVDb2xvciI6eyIkaWQiOiI3MDQiLCIkdHlwZSI6Ik5MUkUuQ29tbW9uLkRvbS5Tb2xpZENvbG9yQnJ1c2gsIE5MUkUuQ29tbW9uIiwiQ29sb3IiOnsiJGlkIjoiNzA1IiwiQSI6MjU1LCJSIjoyNTUsIkciOjAsIkIiOjB9fSwiTGluZVdlaWdodCI6MC4wLCJMaW5lVHlwZSI6MCwiUGFyZW50U3R5bGUiOm51bGx9LCJQYXJlbnRTdHlsZSI6bnVsbH0sIk1pZGRsZVRpZXJTaGFwZVN0eWxlIjp7IiRpZCI6IjcwNiIsIk1hcmdpbiI6eyIkaWQiOiI3MDciLCJUb3AiOjAuMCwiTGVmdCI6MTAuMCwiUmlnaHQiOjEwLjAsIkJvdHRvbSI6MC4wfSwiUGFkZGluZyI6eyIkaWQiOiI3MDgiLCJUb3AiOjUuMCwiTGVmdCI6MTMuMCwiUmlnaHQiOjEzLjAsIkJvdHRvbSI6NS4wfSwiQmFja2dyb3VuZCI6eyIkaWQiOiI3MDkiLCJDb2xvciI6eyIkaWQiOiI3MTAiLCJBIjoyNTUsIlIiOjY4LCJHIjo4NCwiQiI6MTA2fX0sIklzVmlzaWJsZSI6dHJ1ZSwiV2lkdGgiOjg1OC4wLCJIZWlnaHQiOjMwLjAsIkJvcmRlclN0eWxlIjp7IiRpZCI6IjcxMSIsIkxpbmVDb2xvciI6eyIkaWQiOiI3MTIiLCIkdHlwZSI6Ik5MUkUuQ29tbW9uLkRvbS5Tb2xpZENvbG9yQnJ1c2gsIE5MUkUuQ29tbW9uIiwiQ29sb3IiOnsiJGlkIjoiNzEzIiwiQSI6MjU1LCJSIjoyNTUsIkciOjAsIkIiOjB9fSwiTGluZVdlaWdodCI6MC4wLCJMaW5lVHlwZSI6MCwiUGFyZW50U3R5bGUiOm51bGx9LCJQYXJlbnRTdHlsZSI6bnVsbH0sIkJvdHRvbVRpZXJTaGFwZVN0eWxlIjp7IiRpZCI6IjcxNCIsIk1hcmdpbiI6eyIkaWQiOiI3MTUiLCJUb3AiOjAuMCwiTGVmdCI6MTAuMCwiUmlnaHQiOjEwLjAsIkJvdHRvbSI6MC4wfSwiUGFkZGluZyI6eyIkaWQiOiI3MTYiLCJUb3AiOjUuMCwiTGVmdCI6MTMuMCwiUmlnaHQiOjEzLjAsIkJvdHRvbSI6NS4wfSwiQmFja2dyb3VuZCI6eyIkaWQiOiI3MTciLCJDb2xvciI6eyIkaWQiOiI3MTgiLCJBIjoyNTUsIlIiOjY4LCJHIjo4NCwiQiI6MTA2fX0sIklzVmlzaWJsZSI6dHJ1ZSwiV2lkdGgiOjg1OC4wLCJIZWlnaHQiOjMwLjAsIkJvcmRlclN0eWxlIjp7IiRpZCI6IjcxOSIsIkxpbmVDb2xvciI6eyIkaWQiOiI3MjAiLCIkdHlwZSI6Ik5MUkUuQ29tbW9uLkRvbS5Tb2xpZENvbG9yQnJ1c2gsIE5MUkUuQ29tbW9uIiwiQ29sb3IiOnsiJGlkIjoiNzIxIiwiQSI6MjU1LCJSIjoyNTUsIkciOjAsIkIiOjB9fSwiTGluZVdlaWdodCI6MC4wLCJMaW5lVHlwZSI6MCwiUGFyZW50U3R5bGUiOm51bGx9LCJQYXJlbnRTdHlsZSI6bnVsbH0sIlJpZ2h0RW5kQ2Fwc1N0eWxlIjp7IiRpZCI6IjcyMiIsIkZvbnRTZXR0aW5ncyI6eyIkaWQiOiI3MjMiLCJGb250U2l6ZSI6MTgsIkZvbnROYW1lIjoiQ2FsaWJyaSIsIklzQm9sZCI6dHJ1ZSwiSXNJdGFsaWMiOmZhbHNlLCJJc1VuZGVybGluZWQiOmZhbHNlLCJQYXJlbnRTdHlsZSI6bnVsbH0sIkF1dG9TaXplIjowLCJGb3JlZ3JvdW5kIjp7IiRpZCI6IjcyNCIsIkNvbG9yIjp7IiRpZCI6IjcyNSIsIkEiOjI1NSwiUiI6MjM3LCJHIjoxMjUsIkIiOjQ5fX0sIk1heFdpZHRoIjoiSW5maW5pdHkiLCJNYXhIZWlnaHQiOiJJbmZpbml0eSIsIlNtYXJ0Rm9yZWdyb3VuZElzQWN0aXZlIjpmYWxzZSwiSG9yaXpvbnRhbEFsaWdubWVudCI6MCwiVmVydGljYWxBbGlnbm1lbnQiOjAsIlNtYXJ0Rm9yZWdyb3VuZCI6bnVsbCwiQmFja2dyb3VuZEZpbGxUeXBlIjowLCJNYXJnaW4iOnsiJGlkIjoiNzI2IiwiVG9wIjowLjAsIkxlZnQiOjAuMCwiUmlnaHQiOjIwLjAsIkJvdHRvbSI6MC4wfSwiUGFkZGluZyI6eyIkaWQiOiI3MjciLCJUb3AiOjAuMCwiTGVmdCI6MC4wLCJSaWdodCI6MC4wLCJCb3R0b20iOjAuMH0sIkJhY2tncm91bmQiOnsiJGlkIjoiNzI4IiwiQ29sb3IiOnsiJHJlZiI6IjcwIn19LCJJc1Zpc2libGUiOnRydWUsIldpZHRoIjowLjAsIkhlaWdodCI6MC4wLCJCb3JkZXJTdHlsZSI6bnVsbCwiUGFyZW50U3R5bGUiOm51bGx9LCJMZWZ0RW5kQ2Fwc1N0eWxlIjp7IiRpZCI6IjcyOSIsIkZvbnRTZXR0aW5ncyI6eyIkaWQiOiI3MzAiLCJGb250U2l6ZSI6MTgsIkZvbnROYW1lIjoiQ2FsaWJyaSIsIklzQm9sZCI6dHJ1ZSwiSXNJdGFsaWMiOmZhbHNlLCJJc1VuZGVybGluZWQiOmZhbHNlLCJQYXJlbnRTdHlsZSI6bnVsbH0sIkF1dG9TaXplIjowLCJGb3JlZ3JvdW5kIjp7IiRpZCI6IjczMSIsIkNvbG9yIjp7IiRpZCI6IjczMiIsIkEiOjI1NSwiUiI6MjM3LCJHIjoxMjUsIkIiOjQ5fX0sIk1heFdpZHRoIjoiSW5maW5pdHkiLCJNYXhIZWlnaHQiOiJJbmZpbml0eSIsIlNtYXJ0Rm9yZWdyb3VuZElzQWN0aXZlIjpmYWxzZSwiSG9yaXpvbnRhbEFsaWdubWVudCI6MCwiVmVydGljYWxBbGlnbm1lbnQiOjAsIlNtYXJ0Rm9yZWdyb3VuZCI6bnVsbCwiQmFja2dyb3VuZEZpbGxUeXBlIjowLCJNYXJnaW4iOnsiJGlkIjoiNzMzIiwiVG9wIjowLjAsIkxlZnQiOjExNS41MDY2NjY2NjY2NjY2NiwiUmlnaHQiOjAuMCwiQm90dG9tIjowLjB9LCJQYWRkaW5nIjp7IiRpZCI6IjczNCIsIlRvcCI6MC4wLCJMZWZ0IjowLjAsIlJpZ2h0IjowLjAsIkJvdHRvbSI6MC4wfSwiQmFja2dyb3VuZCI6eyIkaWQiOiI3MzUiLCJDb2xvciI6eyIkcmVmIjoiNzAifX0sIklzVmlzaWJsZSI6ZmFsc2UsIldpZHRoIjowLjAsIkhlaWdodCI6MC4wLCJCb3JkZXJTdHlsZSI6bnVsbCwiUGFyZW50U3R5bGUiOm51bGx9LCJUb2RheVRleHRTdHlsZSI6eyIkaWQiOiI3MzYiLCJGb250U2V0dGluZ3MiOnsiJGlkIjoiNzM3IiwiRm9udFNpemUiOjEyLCJGb250TmFtZSI6IkNhbGlicmkiLCJJc0JvbGQiOmZhbHNlLCJJc0l0YWxpYyI6ZmFsc2UsIklzVW5kZXJsaW5lZCI6ZmFsc2UsIlBhcmVudFN0eWxlIjpudWxsfSwiQXV0b1NpemUiOjAsIkZvcmVncm91bmQiOnsiJGlkIjoiNzM4IiwiQ29sb3IiOnsiJGlkIjoiNzM5IiwiQSI6MjU1LCJSIjowLCJHIjowLCJCIjowfX0sIk1heFdpZHRoIjoyMDAuMCwiTWF4SGVpZ2h0IjoiSW5maW5pdHkiLCJTbWFydEZvcmVncm91bmRJc0FjdGl2ZSI6ZmFsc2UsIkhvcml6b250YWxBbGlnbm1lbnQiOjAsIlZlcnRpY2FsQWxpZ25tZW50IjowLCJTbWFydEZvcmVncm91bmQiOm51bGwsIkJhY2tncm91bmRGaWxsVHlwZSI6MCwiTWFyZ2luIjp7IiRpZCI6Ijc0MCIsIlRvcCI6MC4wLCJMZWZ0IjowLjAsIlJpZ2h0IjowLjAsIkJvdHRvbSI6MC4wfSwiUGFkZGluZyI6eyIkaWQiOiI3NDEiLCJUb3AiOjAuMCwiTGVmdCI6MC4wLCJSaWdodCI6MC4wLCJCb3R0b20iOjAuMH0sIkJhY2tncm91bmQiOnsiJGlkIjoiNzQyIiwiQ29sb3IiOnsiJHJlZiI6IjcwIn19LCJJc1Zpc2libGUiOnRydWUsIldpZHRoIjowLjAsIkhlaWdodCI6MC4wLCJCb3JkZXJTdHlsZSI6bnVsbCwiUGFyZW50U3R5bGUiOm51bGx9LCJUb2RheU1hcmtlclN0eWxlIjp7IiRpZCI6Ijc0MyIsIk1hcmdpbiI6eyIkaWQiOiI3NDQiLCJUb3AiOjAuMCwiTGVmdCI6MC4wLCJSaWdodCI6MC4wLCJCb3R0b20iOjAuMH0sIlBhZGRpbmciOnsiJGlkIjoiNzQ1IiwiVG9wIjowLjAsIkxlZnQiOjAuMCwiUmlnaHQiOjAuMCwiQm90dG9tIjowLjB9LCJCYWNrZ3JvdW5kIjp7IiRpZCI6Ijc0NiIsIkNvbG9yIjp7IiRpZCI6Ijc0NyIsIkEiOjI1NSwiUiI6MjU1LCJHIjowLCJCIjowfX0sIklzVmlzaWJsZSI6dHJ1ZSwiV2lkdGgiOjAuMCwiSGVpZ2h0IjowLjAsIkJvcmRlclN0eWxlIjpudWxsLCJQYXJlbnRTdHlsZSI6bnVsbH0sIlNjYWxlU3R5bGUiOnsiJGlkIjoiNzQ4IiwiU2hhcGUiOjQsIlNob3dTZWdtZW50U2VwYXJhdG9ycyI6dHJ1ZSwiU2VnbWVudFNlcGFyYXRvck9wYWNpdHkiOjMwLCJIYXNCZWVuVmlzaWJsZUJlZm9yZSI6dHJ1ZSwiRm9udFNldHRpbmdzIjp7IiRpZCI6Ijc0OSIsIkZvbnRTaXplIjoxMiwiRm9udE5hbWUiOiJDYWxpYnJpIiwiSXNCb2xkIjpmYWxzZSwiSXNJdGFsaWMiOmZhbHNlLCJJc1VuZGVybGluZWQiOmZhbHNlLCJQYXJlbnRTdHlsZSI6bnVsbH0sIkF1dG9TaXplIjowLCJGb3JlZ3JvdW5kIjp7IiRpZCI6Ijc1MCIsIkNvbG9yIjp7IiRpZCI6Ijc1MSIsIkEiOjI1NSwiUiI6MjU1LCJHIjoyNTUsIkIiOjI1NX19LCJNYXhXaWR0aCI6MjAwLjAsIk1heEhlaWdodCI6IkluZmluaXR5IiwiU21hcnRGb3JlZ3JvdW5kSXNBY3RpdmUiOmZhbHNlLCJIb3Jpem9udGFsQWxpZ25tZW50IjowLCJWZXJ0aWNhbEFsaWdubWVudCI6MSwiU21hcnRGb3JlZ3JvdW5kIjpudWxsLCJCYWNrZ3JvdW5kRmlsbFR5cGUiOjAsIk1hcmdpbiI6eyIkaWQiOiI3NTIiLCJUb3AiOjAuMCwiTGVmdCI6NS4wLCJSaWdodCI6MC4wLCJCb3R0b20iOjAuMH0sIlBhZGRpbmciOnsiJGlkIjoiNzUzIiwiVG9wIjowLjAsIkxlZnQiOjAuMCwiUmlnaHQiOjAuMCwiQm90dG9tIjowLjB9LCJCYWNrZ3JvdW5kIjp7IiRpZCI6Ijc1NCIsIkNvbG9yIjp7IiRyZWYiOiI3MCJ9fSwiSXNWaXNpYmxlIjp0cnVlLCJXaWR0aCI6MC4wLCJIZWlnaHQiOjAuMCwiQm9yZGVyU3R5bGUiOm51bGwsIlBhcmVudFN0eWxlIjpudWxsfSwiU2luZ2xlU2NhbGVTaGFwZVN0eWxlIjp7IiRpZCI6Ijc1NSIsIlNoYXBlIjowLCJIZWlnaHQiOjAuMH0sIk1pZGRsZVRpZXJTY2FsZVN0eWxlIjp7IiRpZCI6Ijc1NiIsIlNoYXBlIjo0LCJTaG93U2VnbWVudFNlcGFyYXRvcnMiOnRydWUsIlNlZ21lbnRTZXBhcmF0b3JPcGFjaXR5IjozMCwiSGFzQmVlblZpc2libGVCZWZvcmUiOmZhbHNlLCJGb250U2V0dGluZ3MiOnsiJGlkIjoiNzU3IiwiRm9udFNpemUiOjEyLCJGb250TmFtZSI6IkNhbGlicmkiLCJJc0JvbGQiOmZhbHNlLCJJc0l0YWxpYyI6ZmFsc2UsIklzVW5kZXJsaW5lZCI6ZmFsc2UsIlBhcmVudFN0eWxlIjpudWxsfSwiQXV0b1NpemUiOjAsIkZvcmVncm91bmQiOnsiJGlkIjoiNzU4IiwiQ29sb3IiOnsiJGlkIjoiNzU5IiwiQSI6MjU1LCJSIjoyNTUsIkciOjI1NSwiQiI6MjU1fX0sIk1heFdpZHRoIjoyMDAuMCwiTWF4SGVpZ2h0IjoiSW5maW5pdHkiLCJTbWFydEZvcmVncm91bmRJc0FjdGl2ZSI6ZmFsc2UsIkhvcml6b250YWxBbGlnbm1lbnQiOjAsIlZlcnRpY2FsQWxpZ25tZW50IjoxLCJTbWFydEZvcmVncm91bmQiOm51bGwsIkJhY2tncm91bmRGaWxsVHlwZSI6MCwiTWFyZ2luIjp7IiRpZCI6Ijc2MCIsIlRvcCI6MC4wLCJMZWZ0Ijo1LjAsIlJpZ2h0IjowLjAsIkJvdHRvbSI6MC4wfSwiUGFkZGluZyI6eyIkaWQiOiI3NjEiLCJUb3AiOjAuMCwiTGVmdCI6MC4wLCJSaWdodCI6MC4wLCJCb3R0b20iOjAuMH0sIkJhY2tncm91bmQiOnsiJGlkIjoiNzYyIiwiQ29sb3IiOnsiJGlkIjoiNzYzIiwiQSI6MCwiUiI6MCwiRyI6MCwiQiI6MH19LCJJc1Zpc2libGUiOmZhbHNlLCJXaWR0aCI6MC4wLCJIZWlnaHQiOjAuMCwiQm9yZGVyU3R5bGUiOm51bGwsIlBhcmVudFN0eWxlIjpudWxsfSwiQm90dG9tVGllclNjYWxlU3R5bGUiOnsiJGlkIjoiNzY0IiwiU2hhcGUiOjQsIlNob3dTZWdtZW50U2VwYXJhdG9ycyI6dHJ1ZSwiU2VnbWVudFNlcGFyYXRvck9wYWNpdHkiOjMwLCJIYXNCZWVuVmlzaWJsZUJlZm9yZSI6ZmFsc2UsIkZvbnRTZXR0aW5ncyI6eyIkaWQiOiI3NjUiLCJGb250U2l6ZSI6MTIsIkZvbnROYW1lIjoiQ2FsaWJyaSIsIklzQm9sZCI6ZmFsc2UsIklzSXRhbGljIjpmYWxzZSwiSXNVbmRlcmxpbmVkIjpmYWxzZSwiUGFyZW50U3R5bGUiOm51bGx9LCJBdXRvU2l6ZSI6MCwiRm9yZWdyb3VuZCI6eyIkaWQiOiI3NjYiLCJDb2xvciI6eyIkaWQiOiI3NjciLCJBIjoyNTUsIlIiOjI1NSwiRyI6MjU1LCJCIjoyNTV9fSwiTWF4V2lkdGgiOjIwMC4wLCJNYXhIZWlnaHQiOiJJbmZpbml0eSIsIlNtYXJ0Rm9yZWdyb3VuZElzQWN0aXZlIjpmYWxzZSwiSG9yaXpvbnRhbEFsaWdubWVudCI6MCwiVmVydGljYWxBbGlnbm1lbnQiOjEsIlNtYXJ0Rm9yZWdyb3VuZCI6bnVsbCwiQmFja2dyb3VuZEZpbGxUeXBlIjowLCJNYXJnaW4iOnsiJGlkIjoiNzY4IiwiVG9wIjowLjAsIkxlZnQiOjUuMCwiUmlnaHQiOjAuMCwiQm90dG9tIjowLjB9LCJQYWRkaW5nIjp7IiRpZCI6Ijc2OSIsIlRvcCI6MC4wLCJMZWZ0IjowLjAsIlJpZ2h0IjowLjAsIkJvdHRvbSI6MC4wfSwiQmFja2dyb3VuZCI6eyIkaWQiOiI3NzAiLCJDb2xvciI6eyIkaWQiOiI3NzEiLCJBIjowLCJSIjowLCJHIjowLCJCIjowfX0sIklzVmlzaWJsZSI6ZmFsc2UsIldpZHRoIjowLjAsIkhlaWdodCI6MC4wLCJCb3JkZXJTdHlsZSI6bnVsbCwiUGFyZW50U3R5bGUiOm51bGx9LCJFbGFwc2VkVGltZUJhY2tncm91bmQiOnsiJGlkIjoiNzcyIiwiQ29sb3IiOnsiJGlkIjoiNzczIiwiQSI6NzcsIlIiOjI1NSwiRyI6MCwiQiI6MH19LCJBcHBlbmRZZWFyT25ZZWFyQ2hhbmdlIjp0cnVlLCJFbGFwc2VkVGltZUZvcm1hdCI6MSwiVG9kYXlNYXJrZXJQb3NpdGlvbiI6MywiUXVpY2tQb3NpdGlvbiI6MywiQWJzb2x1dGVQb3NpdGlvbiI6MjQwLjAsIk1hcmdpbiI6eyIkaWQiOiI3NzQiLCJUb3AiOjAuMCwiTGVmdCI6MTAuMCwiUmlnaHQiOjEwLjAsIkJvdHRvbSI6MC4wfSwiUGFkZGluZyI6eyIkaWQiOiI3NzUiLCJUb3AiOjAuMCwiTGVmdCI6MC4wLCJSaWdodCI6MC4wLCJCb3R0b20iOjAuMH0sIkJhY2tncm91bmQiOnsiJGlkIjoiNzc2IiwiQ29sb3IiOnsiJGlkIjoiNzc3IiwiQSI6MjU1LCJSIjoxMTUsIkciOjExNSwiQiI6MTE1fX0sIklzVmlzaWJsZSI6dHJ1ZSwiV2lkdGgiOjAuMCwiSGVpZ2h0IjowLjAsIkJvcmRlclN0eWxlIjpudWxsLCJQYXJlbnRTdHlsZSI6bnVsbH0sIkRlZmF1bHRNaWxlc3RvbmVTdHlsZSI6eyIkaWQiOiI3NzgiLCJTaGFwZSI6MCwiQ29ubmVjdG9yTWFyZ2luIjp7IiRpZCI6Ijc3OSIsIlRvcCI6MC4wLCJMZWZ0IjoyLjAsIlJpZ2h0IjoyLjAsIkJvdHRvbSI6MC4wfSwiQ29ubmVjdG9yU3R5bGUiOnsiJGlkIjoiNzgwIiwiTGluZUNvbG9yIjp7IiRpZCI6Ijc4MSIsIiR0eXBlIjoiTkxSRS5Db21tb24uRG9tLlNvbGlkQ29sb3JCcnVzaCwgTkxSRS5Db21tb24iLCJDb2xvciI6eyIkaWQiOiI3ODIiLCJBIjoxMjcsIlIiOjMxLCJHIjo3MywiQiI6MTI2fX0sIkxpbmVXZWlnaHQiOjEuMCwiTGluZVR5cGUiOjAsIlBhcmVudFN0eWxlIjpudWxsfSwiSXNCZWxvd1RpbWViYW5kIjpmYWxzZSwiUG9zaXRpb25PblRhc2siOjAsIkhpZGVEYXRlIjpmYWxzZSwiU2hhcGVTaXplIjoxLCJTcGFjaW5nIjoyLjAsIlBhZGRpbmciOnsiJGlkIjoiNzgzIiwiVG9wIjo3LjAsIkxlZnQiOjMuMCwiUmlnaHQiOjAuMCwiQm90dG9tIjoyLjB9LCJTaGFwZVN0eWxlIjp7IiRpZCI6Ijc4NCIsIk1hcmdpbiI6eyIkaWQiOiI3ODUiLCJUb3AiOjAuMCwiTGVmdCI6MC4wLCJSaWdodCI6MC4wLCJCb3R0b20iOjAuMH0sIlBhZGRpbmciOnsiJGlkIjoiNzg2IiwiVG9wIjowLjAsIkxlZnQiOjAuMCwiUmlnaHQiOjAuMCwiQm90dG9tIjowLjB9LCJCYWNrZ3JvdW5kIjp7IiRpZCI6Ijc4NyIsIkNvbG9yIjp7IiRpZCI6Ijc4OCIsIkEiOjI1NSwiUiI6MCwiRyI6MTE0LCJCIjoxODh9fSwiSXNWaXNpYmxlIjp0cnVlLCJXaWR0aCI6MTguMCwiSGVpZ2h0IjoyMC4wLCJCb3JkZXJTdHlsZSI6eyIkaWQiOiI3ODkiLCJMaW5lQ29sb3IiOnsiJGlkIjoiNzkwIiwiJHR5cGUiOiJOTFJFLkNvbW1vbi5Eb20uU29saWRDb2xvckJydXNoLCBOTFJFLkNvbW1vbiIsIkNvbG9yIjp7IiRpZCI6Ijc5MSIsIkEiOjI1NSwiUiI6MjU1LCJHIjowLCJCIjowfX0sIkxpbmVXZWlnaHQiOjAuMCwiTGluZVR5cGUiOjAsIlBhcmVudFN0eWxlIjpudWxsfSwiUGFyZW50U3R5bGUiOm51bGx9LCJUaXRsZVN0eWxlIjp7IiRpZCI6Ijc5MiIsIkZvbnRTZXR0aW5ncyI6eyIkaWQiOiI3OTMiLCJGb250U2l6ZSI6MTEsIkZvbnROYW1lIjoiQ2FsaWJyaSIsIklzQm9sZCI6dHJ1ZSwiSXNJdGFsaWMiOmZhbHNlLCJJc1VuZGVybGluZWQiOmZhbHNlLCJQYXJlbnRTdHlsZSI6bnVsbH0sIkF1dG9TaXplIjowLCJGb3JlZ3JvdW5kIjp7IiRpZCI6Ijc5NCIsIkNvbG9yIjp7IiRpZCI6Ijc5NSIsIkEiOjI1NSwiUiI6MCwiRyI6MCwiQiI6MH19LCJNYXhXaWR0aCI6MjAwLjAsIk1heEhlaWdodCI6IkluZmluaXR5IiwiU21hcnRGb3JlZ3JvdW5kSXNBY3RpdmUiOmZhbHNlLCJIb3Jpem9udGFsQWxpZ25tZW50IjoxLCJWZXJ0aWNhbEFsaWdubWVudCI6MCwiU21hcnRGb3JlZ3JvdW5kIjpudWxsLCJCYWNrZ3JvdW5kRmlsbFR5cGUiOjAsIk1hcmdpbiI6eyIkaWQiOiI3OTYiLCJUb3AiOjAuMCwiTGVmdCI6MC4wLCJSaWdodCI6MC4wLCJCb3R0b20iOjAuMH0sIlBhZGRpbmciOnsiJGlkIjoiNzk3IiwiVG9wIjowLjAsIkxlZnQiOjAuMCwiUmlnaHQiOjAuMCwiQm90dG9tIjowLjB9LCJCYWNrZ3JvdW5kIjp7IiRpZCI6Ijc5OCIsIkNvbG9yIjp7IiRyZWYiOiI3MCJ9fSwiSXNWaXNpYmxlIjp0cnVlLCJXaWR0aCI6MC4wLCJIZWlnaHQiOjAuMCwiQm9yZGVyU3R5bGUiOm51bGwsIlBhcmVudFN0eWxlIjpudWxsfSwiRGF0ZVN0eWxlIjp7IiRpZCI6Ijc5OSIsIkZvbnRTZXR0aW5ncyI6eyIkaWQiOiI4MDAiLCJGb250U2l6ZSI6MTAsIkZvbnROYW1lIjoiQ2FsaWJyaSIsIklzQm9sZCI6ZmFsc2UsIklzSXRhbGljIjpmYWxzZSwiSXNVbmRlcmxpbmVkIjpmYWxzZSwiUGFyZW50U3R5bGUiOm51bGx9LCJBdXRvU2l6ZSI6MCwiRm9yZWdyb3VuZCI6eyIkaWQiOiI4MDEiLCJDb2xvciI6eyIkaWQiOiI4MDIiLCJBIjoyNTUsIlIiOjY4LCJHIjo4NCwiQiI6MTA2fX0sIk1heFdpZHRoIjoyMDAuMCwiTWF4SGVpZ2h0IjoiSW5maW5pdHkiLCJTbWFydEZvcmVncm91bmRJc0FjdGl2ZSI6ZmFsc2UsIkhvcml6b250YWxBbGlnbm1lbnQiOjAsIlZlcnRpY2FsQWxpZ25tZW50IjowLCJTbWFydEZvcmVncm91bmQiOm51bGwsIkJhY2tncm91bmRGaWxsVHlwZSI6MCwiTWFyZ2luIjp7IiRpZCI6IjgwMyIsIlRvcCI6MC4wLCJMZWZ0IjowLjAsIlJpZ2h0IjowLjAsIkJvdHRvbSI6MC4wfSwiUGFkZGluZyI6eyIkaWQiOiI4MDQiLCJUb3AiOjAuMCwiTGVmdCI6MC4wLCJSaWdodCI6MC4wLCJCb3R0b20iOjAuMH0sIkJhY2tncm91bmQiOnsiJGlkIjoiODA1IiwiQ29sb3IiOnsiJHJlZiI6IjcwIn19LCJJc1Zpc2libGUiOnRydWUsIldpZHRoIjowLjAsIkhlaWdodCI6MC4wLCJCb3JkZXJTdHlsZSI6bnVsbCwiUGFyZW50U3R5bGUiOm51bGx9LCJEYXRlRm9ybWF0Ijp7IiRpZCI6IjgwNiIsIkZvcm1hdFN0cmluZyI6Ik1NTSBkIiwiU2VwYXJhdG9yIjoiLyIsIlVzZUludGVybmF0aW9uYWxEYXRlRm9ybWF0IjpmYWxzZSwiRGF0ZUlzVmlzaWJsZSI6dHJ1ZSwiVGltZUlzVmlzaWJsZSI6ZmFsc2UsIkhvdXJEaWdpdHMiOjEsIkFtUG1EZXNpZ25hdG9yIjoyLCJUcmltMDBNaW51dGVzIjpmYWxzZSwiTGFzdEtub3duVmlzaWJpbGl0eVN0YXRlIjpudWxsfSwiV2Vla051bWJlcmluZyI6eyIkaWQiOiI4MDciLCJGb3JtYXQiOjAsIklzVmlzaWJsZSI6ZmFsc2UsIkxhc3RLbm93blZpc2liaWxpdHlTdGF0ZSI6ZmFsc2V9LCJJc1Zpc2libGUiOnRydWUsIlBhcmVudFN0eWxlIjpudWxsfSwiRGVmYXVsdFRhc2tTdHlsZSI6eyIkaWQiOiI4MDgiLCJTaGFwZSI6MiwiU2hhcGVUaGlja25lc3MiOjEsIkR1cmF0aW9uRm9ybWF0IjowLCJJbmNsdWRlTm9uV29ya2luZ0RheXNJbkR1cmF0aW9uIjpmYWxzZSwiUGVyY2VudGFnZUNvbXBsZXRlU3R5bGUiOnsiJGlkIjoiODA5IiwiRm9udFNldHRpbmdzIjp7IiRpZCI6IjgxMCIsIkZvbnRTaXplIjoxMCwiRm9udE5hbWUiOiJDYWxpYnJpIiwiSXNCb2xkIjpmYWxzZSwiSXNJdGFsaWMiOmZhbHNlLCJJc1VuZGVybGluZWQiOmZhbHNlLCJQYXJlbnRTdHlsZSI6bnVsbH0sIkF1dG9TaXplIjowLCJGb3JlZ3JvdW5kIjp7IiRyZWYiOiIxMCJ9LCJNYXhXaWR0aCI6MjAwLjAsIk1heEhlaWdodCI6IkluZmluaXR5IiwiU21hcnRGb3JlZ3JvdW5kSXNBY3RpdmUiOmZhbHNlLCJIb3Jpem9udGFsQWxpZ25tZW50IjowLCJWZXJ0aWNhbEFsaWdubWVudCI6MCwiU21hcnRGb3JlZ3JvdW5kIjpudWxsLCJCYWNrZ3JvdW5kRmlsbFR5cGUiOjAsIk1hcmdpbiI6eyIkcmVmIjoiNjcifSwiUGFkZGluZyI6eyIkcmVmIjoiNjgifSwiQmFja2dyb3VuZCI6eyIkcmVmIjoiNjkifSwiSXNWaXNpYmxlIjp0cnVlLCJXaWR0aCI6MC4wLCJIZWlnaHQiOjAuMCwiQm9yZGVyU3R5bGUiOm51bGwsIlBhcmVudFN0eWxlIjpudWxsfSwiRHVyYXRpb25TdHlsZSI6eyIkaWQiOiI4MTEiLCJGb250U2V0dGluZ3MiOnsiJGlkIjoiODEyIiwiRm9udFNpemUiOjEwLCJGb250TmFtZSI6IkNhbGlicmkiLCJJc0JvbGQiOmZhbHNlLCJJc0l0YWxpYyI6ZmFsc2UsIklzVW5kZXJsaW5lZCI6ZmFsc2UsIlBhcmVudFN0eWxlIjpudWxsfSwiQXV0b1NpemUiOjAsIkZvcmVncm91bmQiOnsiJHJlZiI6Ijc0In0sIk1heFdpZHRoIjoyMDAuMCwiTWF4SGVpZ2h0IjoiSW5maW5pdHkiLCJTbWFydEZvcmVncm91bmRJc0FjdGl2ZSI6ZmFsc2UsIkhvcml6b250YWxBbGlnbm1lbnQiOjAsIlZlcnRpY2FsQWxpZ25tZW50IjowLCJTbWFydEZvcmVncm91bmQiOm51bGwsIkJhY2tncm91bmRGaWxsVHlwZSI6MCwiTWFyZ2luIjp7IiRyZWYiOiI3NiJ9LCJQYWRkaW5nIjp7IiRyZWYiOiI3NyJ9LCJCYWNrZ3JvdW5kIjp7IiRyZWYiOiI3OCJ9LCJJc1Zpc2libGUiOnRydWUsIldpZHRoIjowLjAsIkhlaWdodCI6MC4wLCJCb3JkZXJTdHlsZSI6bnVsbCwiUGFyZW50U3R5bGUiOm51bGx9LCJIb3Jpem9udGFsQ29ubmVjdG9yU3R5bGUiOnsiJGlkIjoiODEzIiwiTGluZUNvbG9yIjp7IiRyZWYiOiI4MSJ9LCJMaW5lV2VpZ2h0IjoxLjAsIkxpbmVUeXBlIjowLCJQYXJlbnRTdHlsZSI6bnVsbH0sIlZlcnRpY2FsQ29ubmVjdG9yU3R5bGUiOnsiJGlkIjoiODE0IiwiTGluZUNvbG9yIjp7IiRyZWYiOiI4NCJ9LCJMaW5lV2VpZ2h0IjowLjAsIkxpbmVUeXBlIjowLCJQYXJlbnRTdHlsZSI6bnVsbH0sIk1hcmdpbiI6bnVsbCwiU3RhcnREYXRlUG9zaXRpb24iOjMsIkVuZERhdGVQb3NpdGlvbiI6NCwiRGF0ZUlzVmlzaWJsZSI6dHJ1ZSwiVGl0bGVQb3NpdGlvbiI6MiwiRHVyYXRpb25Qb3NpdGlvbiI6NiwiUGVyY2VudGFnZUNvbXBsZXRlZFBvc2l0aW9uIjo2LCJTcGFjaW5nIjo1LCJJc0JlbG93VGltZWJhbmQiOnRydWUsIlBlcmNlbnRhZ2VDb21wbGV0ZVNoYXBlT3BhY2l0eSI6MzUsIlNoYXBlU3R5bGUiOnsiJGlkIjoiODE1IiwiTWFyZ2luIjp7IiRyZWYiOiI4NyJ9LCJQYWRkaW5nIjp7IiRyZWYiOiI4OCJ9LCJCYWNrZ3JvdW5kIjp7IiRpZCI6IjgxNiIsIkNvbG9yIjp7IiRpZCI6IjgxNyIsIkEiOjI1NSwiUiI6MCwiRyI6MTE0LCJCIjoxODh9fSwiSXNWaXNpYmxlIjp0cnVlLCJXaWR0aCI6MC4wLCJIZWlnaHQiOjE2LjAsIkJvcmRlclN0eWxlIjp7IiRpZCI6IjgxOCIsIkxpbmVDb2xvciI6eyIkaWQiOiI4MTkiLCIkdHlwZSI6Ik5MUkUuQ29tbW9uLkRvbS5Tb2xpZENvbG9yQnJ1c2gsIE5MUkUuQ29tbW9uIiwiQ29sb3IiOnsiJGlkIjoiODIwIiwiQSI6MjU1LCJSIjoyNTUsIkciOjAsIkIiOjB9fSwiTGluZVdlaWdodCI6MC4wLCJMaW5lVHlwZSI6MCwiUGFyZW50U3R5bGUiOm51bGx9LCJQYXJlbnRTdHlsZSI6bnVsbH0sIlRpdGxlU3R5bGUiOnsiJGlkIjoiODIxIiwiRm9udFNldHRpbmdzIjp7IiRpZCI6IjgyMiIsIkZvbnRTaXplIjoxMSwiRm9udE5hbWUiOiJDYWxpYnJpIiwiSXNCb2xkIjp0cnVlLCJJc0l0YWxpYyI6ZmFsc2UsIklzVW5kZXJsaW5lZCI6ZmFsc2UsIlBhcmVudFN0eWxlIjpudWxsfSwiQXV0b1NpemUiOjAsIkZvcmVncm91bmQiOnsiJGlkIjoiODIzIiwiQ29sb3IiOnsiJGlkIjoiODI0IiwiQSI6MjU1LCJSIjowLCJHIjowLCJCIjowfX0sIk1heFdpZHRoIjo5NjAuMCwiTWF4SGVpZ2h0IjoiSW5maW5pdHkiLCJTbWFydEZvcmVncm91bmRJc0FjdGl2ZSI6ZmFsc2UsIkhvcml6b250YWxBbGlnbm1lbnQiOjEsIlZlcnRpY2FsQWxpZ25tZW50IjowLCJTbWFydEZvcmVncm91bmQiOm51bGwsIkJhY2tncm91bmRGaWxsVHlwZSI6MCwiTWFyZ2luIjp7IiRyZWYiOiI5OCJ9LCJQYWRkaW5nIjp7IiRyZWYiOiI5OSJ9LCJCYWNrZ3JvdW5kIjp7IiRpZCI6IjgyNSIsIkNvbG9yIjp7IiRyZWYiOiI3MCJ9fSwiSXNWaXNpYmxlIjp0cnVlLCJXaWR0aCI6MC4wLCJIZWlnaHQiOjAuMCwiQm9yZGVyU3R5bGUiOm51bGwsIlBhcmVudFN0eWxlIjpudWxsfSwiRGF0ZVN0eWxlIjp7IiRpZCI6IjgyNiIsIkZvbnRTZXR0aW5ncyI6eyIkaWQiOiI4MjciLCJGb250U2l6ZSI6MTAsIkZvbnROYW1lIjoiQ2FsaWJyaSIsIklzQm9sZCI6ZmFsc2UsIklzSXRhbGljIjpmYWxzZSwiSXNVbmRlcmxpbmVkIjpmYWxzZSwiUGFyZW50U3R5bGUiOm51bGx9LCJBdXRvU2l6ZSI6MCwiRm9yZWdyb3VuZCI6eyIkaWQiOiI4MjgiLCJDb2xvciI6eyIkaWQiOiI4MjkiLCJBIjoyNTUsIlIiOjY4LCJHIjo4NCwiQiI6MTA2fX0sIk1heFdpZHRoIjoyMDAuMCwiTWF4SGVpZ2h0IjoiSW5maW5pdHkiLCJTbWFydEZvcmVncm91bmRJc0FjdGl2ZSI6ZmFsc2UsIkhvcml6b250YWxBbGlnbm1lbnQiOjEsIlZlcnRpY2FsQWxpZ25tZW50IjowLCJTbWFydEZvcmVncm91bmQiOm51bGwsIkJhY2tncm91bmRGaWxsVHlwZSI6MCwiTWFyZ2luIjp7IiRyZWYiOiIxMDcifSwiUGFkZGluZyI6eyIkcmVmIjoiMTA4In0sIkJhY2tncm91bmQiOnsiJGlkIjoiODMwIiwiQ29sb3IiOnsiJHJlZiI6IjcwIn19LCJJc1Zpc2libGUiOnRydWUsIldpZHRoIjowLjAsIkhlaWdodCI6MC4wLCJCb3JkZXJTdHlsZSI6bnVsbCwiUGFyZW50U3R5bGUiOm51bGx9LCJEYXRlRm9ybWF0Ijp7IiRpZCI6IjgzMSIsIkZvcm1hdFN0cmluZyI6Ik1NTSBkIiwiU2VwYXJhdG9yIjoiLyIsIlVzZUludGVybmF0aW9uYWxEYXRlRm9ybWF0IjpmYWxzZSwiRGF0ZUlzVmlzaWJsZSI6dHJ1ZSwiVGltZUlzVmlzaWJsZSI6ZmFsc2UsIkhvdXJEaWdpdHMiOjEsIkFtUG1EZXNpZ25hdG9yIjoyLCJUcmltMDBNaW51dGVzIjpmYWxzZSwiTGFzdEtub3duVmlzaWJpbGl0eVN0YXRlIjpudWxsfSwiV2Vla051bWJlcmluZyI6eyIkaWQiOiI4MzIiLCJGb3JtYXQiOjAsIklzVmlzaWJsZSI6ZmFsc2UsIkxhc3RLbm93blZpc2liaWxpdHlTdGF0ZSI6ZmFsc2V9LCJJc1Zpc2libGUiOnRydWUsIlBhcmVudFN0eWxlIjpudWxsLCJfZXhwbGljaXRseVNldCI6eyIkaWQiOiI4MzMiLCJTaGFwZVN0eWxlIjpmYWxzZSwiVGl0bGVTdHlsZSI6ZmFsc2UsIkRhdGVTdHlsZSI6ZmFsc2UsIkhvcml6b250YWxDb25uZWN0b3JTdHlsZSI6ZmFsc2UsIlZlcnRpY2FsQ29ubmVjdG9yU3R5bGUiOmZhbHNlLCJQZXJjZW50YWdlQ29tcGxldGVTaGFwZU9wYWNpdHkiOmZhbHNlLCJTaGFwZSI6ZmFsc2UsIlNoYXBlVGhpY2tuZXNzIjpmYWxzZSwiRHVyYXRpb25Gb3JtYXQiOmZhbHNlLCJJbmNsdWRlTm9uV29ya2luZ0RheXNJbkR1cmF0aW9uIjpmYWxzZSwiTWFyZ2luIjpmYWxzZSwiU3RhcnREYXRlUG9zaXRpb24iOmZhbHNlLCJFbmREYXRlUG9zaXRpb24iOmZhbHNlLCJUaXRsZVBvc2l0aW9uIjpmYWxzZSwiRHVyYXRpb25Qb3NpdGlvbiI6ZmFsc2UsIlBlcmNlbnRhZ2VDb21wbGV0ZWRQb3NpdGlvbiI6ZmFsc2UsIlNwYWNpbmciOmZhbHNlLCJJc0JlbG93VGltZWJhbmQiOmZhbHNlLCJEYXRlRm9ybWF0IjpmYWxzZSwiV2Vla051bWJlcmluZyI6ZmFsc2UsIklzVmlzaWJsZSI6ZmFsc2V9fSwiR3JpZGxpbmVQYW5lbFN0eWxlIjp7IiRpZCI6IjgzNCIsIkdyaWRsaW5lU3R5bGUiOnsiJGlkIjoiODM1IiwiTGluZUNvbG9yIjp7IiRpZCI6IjgzNiIsIiR0eXBlIjoiTkxSRS5Db21tb24uRG9tLlNvbGlkQ29sb3JCcnVzaCwgTkxSRS5Db21tb24iLCJDb2xvciI6eyIkaWQiOiI4MzciLCJBIjozOCwiUiI6OTEsIkciOjE1NSwiQiI6MjEzfX0sIkxpbmVXZWlnaHQiOjEuMCwiTGluZVR5cGUiOjAsIlBhcmVudFN0eWxlIjpudWxsfSwiTWFyZ2luIjp7IiRpZCI6IjgzOCIsIlRvcCI6MC4wLCJMZWZ0IjowLjAsIlJpZ2h0IjowLjAsIkJvdHRvbSI6MC4wfSwiUGFkZGluZyI6eyIkaWQiOiI4MzkiLCJUb3AiOjAuMCwiTGVmdCI6MC4wLCJSaWdodCI6MC4wLCJCb3R0b20iOjAuMH0sIkJhY2tncm91bmQiOm51bGwsIklzVmlzaWJsZSI6dHJ1ZSwiV2lkdGgiOjAuMCwiSGVpZ2h0IjowLjAsIkJvcmRlclN0eWxlIjp7IiRpZCI6Ijg0MCIsIkxpbmVDb2xvciI6bnVsbCwiTGluZVdlaWdodCI6MC4wLCJMaW5lVHlwZSI6MCwiUGFyZW50U3R5bGUiOm51bGx9LCJQYXJlbnRTdHlsZSI6bnVsbH0sIkFjdGl2aXR5TGluZVBhbmVsU3R5bGUiOnsiJGlkIjoiODQxIiwiQWN0aXZpdHlMaW5lU3R5bGUiOnsiJGlkIjoiODQyIiwiTGluZUNvbG9yIjp7IiRpZCI6Ijg0MyIsIiR0eXBlIjoiTkxSRS5Db21tb24uRG9tLlNvbGlkQ29sb3JCcnVzaCwgTkxSRS5Db21tb24iLCJDb2xvciI6eyIkaWQiOiI4NDQiLCJBIjozOCwiUiI6NjgsIkciOjExNCwiQiI6MTk2fX0sIkxpbmVXZWlnaHQiOjEuMCwiTGluZVR5cGUiOjAsIlBhcmVudFN0eWxlIjpudWxsfSwiTWFyZ2luIjp7IiRpZCI6Ijg0NSIsIlRvcCI6MC4wLCJMZWZ0IjowLjAsIlJpZ2h0IjowLjAsIkJvdHRvbSI6MC4wfSwiUGFkZGluZyI6eyIkaWQiOiI4NDYiLCJUb3AiOjAuMCwiTGVmdCI6MC4wLCJSaWdodCI6MC4wLCJCb3R0b20iOjAuMH0sIkJhY2tncm91bmQiOm51bGwsIklzVmlzaWJsZSI6dHJ1ZSwiV2lkdGgiOjAuMCwiSGVpZ2h0IjowLjAsIkJvcmRlclN0eWxlIjp7IiRpZCI6Ijg0NyIsIkxpbmVDb2xvciI6bnVsbCwiTGluZVdlaWdodCI6MC4wLCJMaW5lVHlwZSI6MCwiUGFyZW50U3R5bGUiOm51bGx9LCJQYXJlbnRTdHlsZSI6bnVsbH0sIlNob3dFbGFwc2VkVGltZUdyYWRpZW50U3R5bGUiOmZhbHNlLCJUaW1lYmFuZFJlc2VydmVkTGVmdEFyZWFTdHlsZSI6eyIkaWQiOiI4NDgiLCJBY3Rpdml0eUhlYWRlcldpZHRoIjo3Ni4wLCJJc1NldCI6ZmFsc2V9LCJEZWZhdWx0U3dpbWxhbmVTdHlsZSI6bnVsbH0sIlNjYWxlIjpudWxsLCJTY2FsZVYyIjp7IiRpZCI6Ijg0OSIsIlN0YXJ0RGF0ZSI6IjAwMDEtMDEtMDFUMDA6MDA6MDAiLCJFbmREYXRlIjoiMjAyMi0wNi0zMFQyMzo1OTowMCIsIkF1dG9EYXRlUmFuZ2UiOnRydWUsIldvcmtpbmdEYXlzIjozMSwiRmlzY2FsWWVhciI6eyIkaWQiOiI4NTAiLCJTdGFydE1vbnRoIjoxLCJVc2VTdGFydGluZ1llYXJGb3JOdW1iZXJpbmciOnRydWUsIlNob3dGaXNjYWxZZWFyTGFiZWwiOnRydWV9LCJUb2RheU1hcmtlclRleHQiOiJUb2RheSIsIkF1dG9TY2FsZVR5cGUiOnRydWUsIlRpbWViYW5kU2NhbGVzIjp7IiRpZCI6Ijg1MSIsIlRvcFNjYWxlTGF5ZXIiOnsiJGlkIjoiODUyIiwiRm9ybWF0IjoiTU1NIiwiVHlwZSI6Mn0sIk1pZGRsZVNjYWxlTGF5ZXIiOnsiJGlkIjoiODUzIiwiRm9ybWF0IjpudWxsLCJUeXBlIjowfSwiQm90dG9tU2NhbGVMYXllciI6eyIkaWQiOiI4NTQiLCJGb3JtYXQiOm51bGwsIlR5cGUiOjB9fX0sIk1pbGVzdG9uZXMiOltdLCJUYXNrcyI6W10sIlN3aW1sYW5lcyI6W10sIk1zUHJvamVjdEl0ZW1zVHJlZSI6eyIkaWQiOiI4NTUiLCJSb290Ijp7IkltcG9ydElkIjpudWxsLCJJc0ltcG9ydGVkIjpmYWxzZSwiQ2hpbGRyZW4iOltdfX0sIk1ldGFkYXRhIjp7IiRpZCI6Ijg1NiIsIlNvdXJjZVRlbXBsYXRlIjoie1wiJGlkXCI6XCIxXCIsXCJJZFwiOlwiYzExZjZmNDktN2RiOC00NWZkLWJhMzItYmZjYWVhNDkyZjM5XCIsXCJDdWx0dXJlSW5mb05hbWVcIjpcImVuLVVTXCIsXCJWZXJzaW9uXCI6e1wiJGlkXCI6XCIyXCIsXCJUZW1wbGF0ZURvbVZlcnNpb25cIjpcIjEuMi4wXCJ9LFwiRWZmZWN0XCI6MSxcIlN0eWxlXCI6e1wiJGlkXCI6XCIzXCIsXCJUaW1lYmFuZFN0eWxlXCI6e1wiJGlkXCI6XCI0XCIsXCJTY2FsZU1hcmtpbmdcIjowLFwiU2hhcGVcIjoxMyxcIlNoYXBlU3R5bGVcIjp7XCIkaWRcIjpcIjVcIixcIk1hcmdpblwiOntcIiRpZFwiOlwiNlwiLFwiVG9wXCI6MC4wLFwiTGVmdFwiOjEwLjAsXCJSaWdodFwiOjEwLjAsXCJCb3R0b21cIjowLjB9LFwiUGFkZGluZ1wiOntcIiRpZFwiOlwiN1wiLFwiVG9wXCI6NS4wLFwiTGVmdFwiOjEzLjAsXCJSaWdodFwiOjEzLjAsXCJCb3R0b21cIjo1LjB9LFwiQmFja2dyb3VuZFwiOntcIiRpZFwiOlwiOFwiLFwiQ29sb3JcIjp7XCIkaWRcIjpcIjlcIixcIkFcIjoyNTUsXCJSXCI6NjgsXCJHXCI6ODQsXCJCXCI6MTA2fX0sXCJJc1Zpc2libGVcIjp0cnVlLFwiV2lkdGhcIjo4NTguMCxcIkhlaWdodFwiOjMwLjAsXCJCb3JkZXJTdHlsZVwiOntcIiRpZFwiOlwiMTBcIixcIkxpbmVDb2xvclwiOntcIiRpZFwiOlwiMTFcIixcIiR0eXBlXCI6XCJOTFJFLkNvbW1vbi5Eb20uU29saWRDb2xvckJydXNoLCBOTFJFLkNvbW1vblwiLFwiQ29sb3JcIjp7XCIkaWRcIjpcIjEyXCIsXCJBXCI6MjU1LFwiUlwiOjI1NSxcIkdcIjowLFwiQlwiOjB9fSxcIkxpbmVXZWlnaHRcIjowLjAsXCJMaW5lVHlwZVwiOjB9fSxcIk1pZGRsZVRpZXJTaGFwZVN0eWxlXCI6e1wiJGlkXCI6XCIxM1wiLFwiTWFyZ2luXCI6e1wiJGlkXCI6XCIxNFwiLFwiVG9wXCI6MC4wLFwiTGVmdFwiOjEwLjAsXCJSaWdodFwiOjEwLjAsXCJCb3R0b21cIjowLjB9LFwiUGFkZGluZ1wiOntcIiRpZFwiOlwiMTVcIixcIlRvcFwiOjUuMCxcIkxlZnRcIjoxMy4wLFwiUmlnaHRcIjoxMy4wLFwiQm90dG9tXCI6NS4wfSxcIkJhY2tncm91bmRcIjp7XCIkaWRcIjpcIjE2XCIsXCJDb2xvclwiOntcIiRpZFwiOlwiMTdcIixcIkFcIjoyNTUsXCJSXCI6NjgsXCJHXCI6ODQsXCJCXCI6MTA2fX0sXCJJc1Zpc2libGVcIjp0cnVlLFwiV2lkdGhcIjo4NTguMCxcIkhlaWdodFwiOjMwLjAsXCJCb3JkZXJTdHlsZVwiOntcIiRpZFwiOlwiMThcIixcIkxpbmVDb2xvclwiOntcIiRpZFwiOlwiMTlcIixcIiR0eXBlXCI6XCJOTFJFLkNvbW1vbi5Eb20uU29saWRDb2xvckJydXNoLCBOTFJFLkNvbW1vblwiLFwiQ29sb3JcIjp7XCIkaWRcIjpcIjIwXCIsXCJBXCI6MjU1LFwiUlwiOjI1NSxcIkdcIjowLFwiQlwiOjB9fSxcIkxpbmVXZWlnaHRcIjowLjAsXCJMaW5lVHlwZVwiOjB9fSxcIkJvdHRvbVRpZXJTaGFwZVN0eWxlXCI6e1wiJGlkXCI6XCIyMVwiLFwiTWFyZ2luXCI6e1wiJGlkXCI6XCIyMlwiLFwiVG9wXCI6MC4wLFwiTGVmdFwiOjEwLjAsXCJSaWdodFwiOjEwLjAsXCJCb3R0b21cIjowLjB9LFwiUGFkZGluZ1wiOntcIiRpZFwiOlwiMjNcIixcIlRvcFwiOjUuMCxcIkxlZnRcIjoxMy4wLFwiUmlnaHRcIjoxMy4wLFwiQm90dG9tXCI6NS4wfSxcIkJhY2tncm91bmRcIjp7XCIkaWRcIjpcIjI0XCIsXCJDb2xvclwiOntcIiRpZFwiOlwiMjVcIixcIkFcIjoyNTUsXCJSXCI6NjgsXCJHXCI6ODQsXCJCXCI6MTA2fX0sXCJJc1Zpc2libGVcIjp0cnVlLFwiV2lkdGhcIjo4NTguMCxcIkhlaWdodFwiOjMwLjAsXCJCb3JkZXJTdHlsZVwiOntcIiRpZFwiOlwiMjZcIixcIkxpbmVDb2xvclwiOntcIiRpZFwiOlwiMjdcIixcIiR0eXBlXCI6XCJOTFJFLkNvbW1vbi5Eb20uU29saWRDb2xvckJydXNoLCBOTFJFLkNvbW1vblwiLFwiQ29sb3JcIjp7XCIkaWRcIjpcIjI4XCIsXCJBXCI6MjU1LFwiUlwiOjI1NSxcIkdcIjowLFwiQlwiOjB9fSxcIkxpbmVXZWlnaHRcIjowLjAsXCJMaW5lVHlwZVwiOjB9fSxcIlJpZ2h0RW5kQ2Fwc1N0eWxlXCI6e1wiJGlkXCI6XCIyOVwiLFwiRm9udFNldHRpbmdzXCI6e1wiJGlkXCI6XCIzMFwiLFwiRm9udFNpemVcIjoxOCxcIkZvbnROYW1lXCI6XCJDYWxpYnJpXCIsXCJJc0JvbGRcIjp0cnVlLFwiSXNJdGFsaWNcIjpmYWxzZSxcIklzVW5kZXJsaW5lZFwiOmZhbHNlfSxcIkF1dG9TaXplXCI6MCxcIkZvcmVncm91bmRcIjp7XCIkaWRcIjpcIjMxXCIsXCJDb2xvclwiOntcIiRpZFwiOlwiMzJcIixcIkFcIjoyNTUsXCJSXCI6MjM3LFwiR1wiOjEyNSxcIkJcIjo0OX19LFwiQmFja2dyb3VuZEZpbGxUeXBlXCI6MCxcIk1heFdpZHRoXCI6XCJJbmZpbml0eVwiLFwiTWF4SGVpZ2h0XCI6XCJJbmZpbml0eVwiLFwiU21hcnRGb3JlZ3JvdW5kSXNBY3RpdmVcIjpmYWxzZSxcIkhvcml6b250YWxBbGlnbm1lbnRcIjowLFwiVmVydGljYWxBbGlnbm1lbnRcIjowLFwiU21hcnRGb3JlZ3JvdW5kXCI6bnVsbCxcIk1hcmdpblwiOntcIiRpZFwiOlwiMzNcIixcIlRvcFwiOjAuMCxcIkxlZnRcIjowLjAsXCJSaWdodFwiOjIwLjAsXCJCb3R0b21cIjowLjB9LFwiUGFkZGluZ1wiOntcIiRpZFwiOlwiMzRcIixcIlRvcFwiOjAuMCxcIkxlZnRcIjowLjAsXCJSaWdodFwiOjAuMCxcIkJvdHRvbVwiOjAuMH0sXCJCYWNrZ3JvdW5kXCI6e1wiJGlkXCI6XCIzNVwiLFwiQ29sb3JcIjp7XCIkaWRcIjpcIjM2XCIsXCJBXCI6MCxcIlJcIjowLFwiR1wiOjAsXCJCXCI6MH19LFwiSXNWaXNpYmxlXCI6dHJ1ZSxcIldpZHRoXCI6MC4wLFwiSGVpZ2h0XCI6MC4wLFwiQm9yZGVyU3R5bGVcIjpudWxsfSxcIkxlZnRFbmRDYXBzU3R5bGVcIjp7XCIkaWRcIjpcIjM3XCIsXCJGb250U2V0dGluZ3NcIjp7XCIkaWRcIjpcIjM4XCIsXCJGb250U2l6ZVwiOjE4LFwiRm9udE5hbWVcIjpcIkNhbGlicmlcIixcIklzQm9sZFwiOnRydWUsXCJJc0l0YWxpY1wiOmZhbHNlLFwiSXNVbmRlcmxpbmVkXCI6ZmFsc2V9LFwiQXV0b1NpemVcIjowLFwiRm9yZWdyb3VuZFwiOntcIiRpZFwiOlwiMzlcIixcIkNvbG9yXCI6e1wiJGlkXCI6XCI0MFwiLFwiQVwiOjI1NSxcIlJcIjoyMzcsXCJHXCI6MTI1LFwiQlwiOjQ5fX0sXCJCYWNrZ3JvdW5kRmlsbFR5cGVcIjowLFwiTWF4V2lkdGhcIjpcIkluZmluaXR5XCIsXCJNYXhIZWlnaHRcIjpcIkluZmluaXR5XCIsXCJTbWFydEZvcmVncm91bmRJc0FjdGl2ZVwiOmZhbHNlLFwiSG9yaXpvbnRhbEFsaWdubWVudFwiOjAsXCJWZXJ0aWNhbEFsaWdubWVudFwiOjAsXCJTbWFydEZvcmVncm91bmRcIjpudWxsLFwiTWFyZ2luXCI6e1wiJGlkXCI6XCI0MVwiLFwiVG9wXCI6MC4wLFwiTGVmdFwiOjIwLjAsXCJSaWdodFwiOjAuMCxcIkJvdHRvbVwiOjAuMH0sXCJQYWRkaW5nXCI6e1wiJGlkXCI6XCI0MlwiLFwiVG9wXCI6MC4wLFwiTGVmdFwiOjAuMCxcIlJpZ2h0XCI6MC4wLFwiQm90dG9tXCI6MC4wfSxcIkJhY2tncm91bmRcIjp7XCIkaWRcIjpcIjQzXCIsXCJDb2xvclwiOntcIiRyZWZcIjpcIjM2XCJ9fSxcIklzVmlzaWJsZVwiOmZhbHNlLFwiV2lkdGhcIjowLjAsXCJIZWlnaHRcIjowLjAsXCJCb3JkZXJTdHlsZVwiOm51bGx9LFwiVG9kYXlUZXh0U3R5bGVcIjp7XCIkaWRcIjpcIjQ0XCIsXCJGb250U2V0dGluZ3NcIjp7XCIkaWRcIjpcIjQ1XCIsXCJGb250U2l6ZVwiOjEyLFwiRm9udE5hbWVcIjpcIkNhbGlicmlcIixcIklzQm9sZFwiOmZhbHNlLFwiSXNJdGFsaWNcIjpmYWxzZSxcIklzVW5kZXJsaW5lZFwiOmZhbHNlfSxcIkF1dG9TaXplXCI6MCxcIkZvcmVncm91bmRcIjp7XCIkaWRcIjpcIjQ2XCIsXCJDb2xvclwiOntcIiRpZFwiOlwiNDdcIixcIkFcIjoyNTUsXCJSXCI6MCxcIkdcIjowLFwiQlwiOjB9fSxcIkJhY2tncm91bmRGaWxsVHlwZVwiOjAsXCJNYXhXaWR0aFwiOjIwMC4wLFwiTWF4SGVpZ2h0XCI6XCJJbmZpbml0eVwiLFwiU21hcnRGb3JlZ3JvdW5kSXNBY3RpdmVcIjpmYWxzZSxcIkhvcml6b250YWxBbGlnbm1lbnRcIjowLFwiVmVydGljYWxBbGlnbm1lbnRcIjowLFwiU21hcnRGb3JlZ3JvdW5kXCI6bnVsbCxcIk1hcmdpblwiOntcIiRpZFwiOlwiNDhcIixcIlRvcFwiOjAuMCxcIkxlZnRcIjowLjAsXCJSaWdodFwiOjAuMCxcIkJvdHRvbVwiOjAuMH0sXCJQYWRkaW5nXCI6e1wiJGlkXCI6XCI0OVwiLFwiVG9wXCI6MC4wLFwiTGVmdFwiOjAuMCxcIlJpZ2h0XCI6MC4wLFwiQm90dG9tXCI6MC4wfSxcIkJhY2tncm91bmRcIjp7XCIkaWRcIjpcIjUwXCIsXCJDb2xvclwiOntcIiRyZWZcIjpcIjM2XCJ9fSxcIklzVmlzaWJsZVwiOnRydWUsXCJXaWR0aFwiOjAuMCxcIkhlaWdodFwiOjAuMCxcIkJvcmRlclN0eWxlXCI6bnVsbH0sXCJUb2RheU1hcmtlclN0eWxlXCI6e1wiJGlkXCI6XCI1MVwiLFwiTWFyZ2luXCI6e1wiJGlkXCI6XCI1MlwiLFwiVG9wXCI6MC4wLFwiTGVmdFwiOjAuMCxcIlJpZ2h0XCI6MC4wLFwiQm90dG9tXCI6MC4wfSxcIlBhZGRpbmdcIjp7XCIkaWRcIjpcIjUzXCIsXCJUb3BcIjowLjAsXCJMZWZ0XCI6MC4wLFwiUmlnaHRcIjowLjAsXCJCb3R0b21cIjowLjB9LFwiQmFja2dyb3VuZFwiOntcIiRpZFwiOlwiNTRcIixcIkNvbG9yXCI6e1wiJGlkXCI6XCI1NVwiLFwiQVwiOjI1NSxcIlJcIjoyNTUsXCJHXCI6MCxcIkJcIjowfX0sXCJJc1Zpc2libGVcIjp0cnVlLFwiV2lkdGhcIjowLjAsXCJIZWlnaHRcIjowLjAsXCJCb3JkZXJTdHlsZVwiOm51bGx9LFwiU2NhbGVTdHlsZVwiOntcIiRpZFwiOlwiNTZcIixcIlNob3dTZWdtZW50U2VwYXJhdG9yc1wiOnRydWUsXCJTZWdtZW50U2VwYXJhdG9yT3BhY2l0eVwiOjMwLFwiU2hhcGVcIjo0LFwiSGFzQmVlblZpc2libGVCZWZvcmVcIjp0cnVlLFwiRm9udFNldHRpbmdzXCI6e1wiJGlkXCI6XCI1N1wiLFwiRm9udFNpemVcIjoxMixcIkZvbnROYW1lXCI6XCJDYWxpYnJpXCIsXCJJc0JvbGRcIjpmYWxzZSxcIklzSXRhbGljXCI6ZmFsc2UsXCJJc1VuZGVybGluZWRcIjpmYWxzZX0sXCJBdXRvU2l6ZVwiOjAsXCJGb3JlZ3JvdW5kXCI6e1wiJGlkXCI6XCI1OFwiLFwiQ29sb3JcIjp7XCIkaWRcIjpcIjU5XCIsXCJBXCI6MjU1LFwiUlwiOjI1NSxcIkdcIjoyNTUsXCJCXCI6MjU1fX0sXCJCYWNrZ3JvdW5kRmlsbFR5cGVcIjowLFwiTWF4V2lkdGhcIjoyMDAuMCxcIk1heEhlaWdodFwiOlwiSW5maW5pdHlcIixcIlNtYXJ0Rm9yZWdyb3VuZElzQWN0aXZlXCI6ZmFsc2UsXCJIb3Jpem9udGFsQWxpZ25tZW50XCI6MCxcIlZlcnRpY2FsQWxpZ25tZW50XCI6MSxcIlNtYXJ0Rm9yZWdyb3VuZFwiOm51bGwsXCJNYXJnaW5cIjp7XCIkaWRcIjpcIjYwXCIsXCJUb3BcIjowLjAsXCJMZWZ0XCI6NS4wLFwiUmlnaHRcIjowLjAsXCJCb3R0b21cIjowLjB9LFwiUGFkZGluZ1wiOntcIiRpZFwiOlwiNjFcIixcIlRvcFwiOjAuMCxcIkxlZnRcIjowLjAsXCJSaWdodFwiOjAuMCxcIkJvdHRvbVwiOjAuMH0sXCJCYWNrZ3JvdW5kXCI6e1wiJGlkXCI6XCI2MlwiLFwiQ29sb3JcIjp7XCIkcmVmXCI6XCIzNlwifX0sXCJJc1Zpc2libGVcIjp0cnVlLFwiV2lkdGhcIjowLjAsXCJIZWlnaHRcIjowLjAsXCJCb3JkZXJTdHlsZVwiOm51bGx9LFwiTWlkZGxlVGllclNjYWxlU3R5bGVcIjp7XCIkaWRcIjpcIjYzXCIsXCJTaG93U2VnbWVudFNlcGFyYXRvcnNcIjp0cnVlLFwiU2VnbWVudFNlcGFyYXRvck9wYWNpdHlcIjozMCxcIlNoYXBlXCI6NCxcIkhhc0JlZW5WaXNpYmxlQmVmb3JlXCI6ZmFsc2UsXCJGb250U2V0dGluZ3NcIjp7XCIkaWRcIjpcIjY0XCIsXCJGb250U2l6ZVwiOjEyLFwiRm9udE5hbWVcIjpcIkNhbGlicmlcIixcIklzQm9sZFwiOmZhbHNlLFwiSXNJdGFsaWNcIjpmYWxzZSxcIklzVW5kZXJsaW5lZFwiOmZhbHNlfSxcIkF1dG9TaXplXCI6MCxcIkZvcmVncm91bmRcIjp7XCIkaWRcIjpcIjY1XCIsXCJDb2xvclwiOntcIiRpZFwiOlwiNjZcIixcIkFcIjoyNTUsXCJSXCI6MjU1LFwiR1wiOjI1NSxcIkJcIjoyNTV9fSxcIkJhY2tncm91bmRGaWxsVHlwZVwiOjAsXCJNYXhXaWR0aFwiOjIwMC4wLFwiTWF4SGVpZ2h0XCI6XCJJbmZpbml0eVwiLFwiU21hcnRGb3JlZ3JvdW5kSXNBY3RpdmVcIjpmYWxzZSxcIkhvcml6b250YWxBbGlnbm1lbnRcIjowLFwiVmVydGljYWxBbGlnbm1lbnRcIjoxLFwiU21hcnRGb3JlZ3JvdW5kXCI6bnVsbCxcIk1hcmdpblwiOntcIiRpZFwiOlwiNjdcIixcIlRvcFwiOjAuMCxcIkxlZnRcIjo1LjAsXCJSaWdodFwiOjAuMCxcIkJvdHRvbVwiOjAuMH0sXCJQYWRkaW5nXCI6e1wiJGlkXCI6XCI2OFwiLFwiVG9wXCI6MC4wLFwiTGVmdFwiOjAuMCxcIlJpZ2h0XCI6MC4wLFwiQm90dG9tXCI6MC4wfSxcIkJhY2tncm91bmRcIjp7XCIkaWRcIjpcIjY5XCIsXCJDb2xvclwiOntcIiRpZFwiOlwiNzBcIixcIkFcIjowLFwiUlwiOjAsXCJHXCI6MCxcIkJcIjowfX0sXCJJc1Zpc2libGVcIjpmYWxzZSxcIldpZHRoXCI6MC4wLFwiSGVpZ2h0XCI6MC4wLFwiQm9yZGVyU3R5bGVcIjpudWxsfSxcIkJvdHRvbVRpZXJTY2FsZVN0eWxlXCI6e1wiJGlkXCI6XCI3MVwiLFwiU2hvd1NlZ21lbnRTZXBhcmF0b3JzXCI6dHJ1ZSxcIlNlZ21lbnRTZXBhcmF0b3JPcGFjaXR5XCI6MzAsXCJTaGFwZVwiOjQsXCJIYXNCZWVuVmlzaWJsZUJlZm9yZVwiOmZhbHNlLFwiRm9udFNldHRpbmdzXCI6e1wiJGlkXCI6XCI3MlwiLFwiRm9udFNpemVcIjoxMixcIkZvbnROYW1lXCI6XCJDYWxpYnJpXCIsXCJJc0JvbGRcIjpmYWxzZSxcIklzSXRhbGljXCI6ZmFsc2UsXCJJc1VuZGVybGluZWRcIjpmYWxzZX0sXCJBdXRvU2l6ZVwiOjAsXCJGb3JlZ3JvdW5kXCI6e1wiJGlkXCI6XCI3M1wiLFwiQ29sb3JcIjp7XCIkaWRcIjpcIjc0XCIsXCJBXCI6MjU1LFwiUlwiOjI1NSxcIkdcIjoyNTUsXCJCXCI6MjU1fX0sXCJCYWNrZ3JvdW5kRmlsbFR5cGVcIjowLFwiTWF4V2lkdGhcIjoyMDAuMCxcIk1heEhlaWdodFwiOlwiSW5maW5pdHlcIixcIlNtYXJ0Rm9yZWdyb3VuZElzQWN0aXZlXCI6ZmFsc2UsXCJIb3Jpem9udGFsQWxpZ25tZW50XCI6MCxcIlZlcnRpY2FsQWxpZ25tZW50XCI6MSxcIlNtYXJ0Rm9yZWdyb3VuZFwiOm51bGwsXCJNYXJnaW5cIjp7XCIkaWRcIjpcIjc1XCIsXCJUb3BcIjowLjAsXCJMZWZ0XCI6NS4wLFwiUmlnaHRcIjowLjAsXCJCb3R0b21cIjowLjB9LFwiUGFkZGluZ1wiOntcIiRpZFwiOlwiNzZcIixcIlRvcFwiOjAuMCxcIkxlZnRcIjowLjAsXCJSaWdodFwiOjAuMCxcIkJvdHRvbVwiOjAuMH0sXCJCYWNrZ3JvdW5kXCI6e1wiJGlkXCI6XCI3N1wiLFwiQ29sb3JcIjp7XCIkaWRcIjpcIjc4XCIsXCJBXCI6MCxcIlJcIjowLFwiR1wiOjAsXCJCXCI6MH19LFwiSXNWaXNpYmxlXCI6ZmFsc2UsXCJXaWR0aFwiOjAuMCxcIkhlaWdodFwiOjAuMCxcIkJvcmRlclN0eWxlXCI6bnVsbH0sXCJTaW5nbGVTY2FsZVNoYXBlU3R5bGVcIjpudWxsLFwiRWxhcHNlZFRpbWVCYWNrZ3JvdW5kXCI6e1wiJGlkXCI6XCI3OVwiLFwiQ29sb3JcIjp7XCIkaWRcIjpcIjgwXCIsXCJBXCI6NzcsXCJSXCI6MjU1LFwiR1wiOjAsXCJCXCI6MH19LFwiQXBwZW5kWWVhck9uWWVhckNoYW5nZVwiOnRydWUsXCJFbGFwc2VkVGltZUZvcm1hdFwiOjEsXCJUb2RheU1hcmtlclBvc2l0aW9uXCI6MyxcIlF1aWNrUG9zaXRpb25cIjoxLFwiQWJzb2x1dGVQb3NpdGlvblwiOjI0MC4wLFwiTWFyZ2luXCI6e1wiJGlkXCI6XCI4MVwiLFwiVG9wXCI6MC4wLFwiTGVmdFwiOjEwLjAsXCJSaWdodFwiOjEwLjAsXCJCb3R0b21cIjowLjB9LFwiUGFkZGluZ1wiOntcIiRpZFwiOlwiODJcIixcIlRvcFwiOjAuMCxcIkxlZnRcIjowLjAsXCJSaWdodFwiOjAuMCxcIkJvdHRvbVwiOjAuMH0sXCJCYWNrZ3JvdW5kXCI6e1wiJGlkXCI6XCI4M1wiLFwiQ29sb3JcIjp7XCIkaWRcIjpcIjg0XCIsXCJBXCI6MjU1LFwiUlwiOjExNSxcIkdcIjoxMTUsXCJCXCI6MTE1fX0sXCJJc1Zpc2libGVcIjp0cnVlLFwiV2lkdGhcIjowLjAsXCJIZWlnaHRcIjowLjAsXCJCb3JkZXJTdHlsZVwiOm51bGx9LFwiRGVmYXVsdE1pbGVzdG9uZVN0eWxlXCI6e1wiJGlkXCI6XCI4NVwiLFwiU2hhcGVcIjowLFwiQ29ubmVjdG9yTWFyZ2luXCI6e1wiJGlkXCI6XCI4NlwiLFwiVG9wXCI6MC4wLFwiTGVmdFwiOjIuMCxcIlJpZ2h0XCI6Mi4wLFwiQm90dG9tXCI6MC4wfSxcIkNvbm5lY3RvclN0eWxlXCI6e1wiJGlkXCI6XCI4N1wiLFwiTGluZUNvbG9yXCI6e1wiJGlkXCI6XCI4OFwiLFwiJHR5cGVcIjpcIk5MUkUuQ29tbW9uLkRvbS5Tb2xpZENvbG9yQnJ1c2gsIE5MUkUuQ29tbW9uXCIsXCJDb2xvclwiOntcIiRpZFwiOlwiODlcIixcIkFcIjoxMjcsXCJSXCI6MzEsXCJHXCI6NzMsXCJCXCI6MTI2fX0sXCJMaW5lV2VpZ2h0XCI6MS4wLFwiTGluZVR5cGVcIjowfSxcIklzQmVsb3dUaW1lYmFuZFwiOmZhbHNlLFwiSGlkZURhdGVcIjpmYWxzZSxcIlNoYXBlU2l6ZVwiOjEsXCJTcGFjaW5nXCI6Mi4wLFwiUGFkZGluZ1wiOntcIiRpZFwiOlwiOTBcIixcIlRvcFwiOjcuMCxcIkxlZnRcIjozLjAsXCJSaWdodFwiOjAuMCxcIkJvdHRvbVwiOjIuMH0sXCJQb3NpdGlvblwiOm51bGwsXCJQb3NpdGlvbk9uVGFza1wiOjAsXCJTaGFwZVN0eWxlXCI6e1wiJGlkXCI6XCI5MVwiLFwiTWFyZ2luXCI6e1wiJGlkXCI6XCI5MlwiLFwiVG9wXCI6MC4wLFwiTGVmdFwiOjAuMCxcIlJpZ2h0XCI6MC4wLFwiQm90dG9tXCI6MC4wfSxcIlBhZGRpbmdcIjp7XCIkaWRcIjpcIjkzXCIsXCJUb3BcIjowLjAsXCJMZWZ0XCI6MC4wLFwiUmlnaHRcIjowLjAsXCJCb3R0b21cIjowLjB9LFwiQmFja2dyb3VuZFwiOntcIiRpZFwiOlwiOTRcIixcIkNvbG9yXCI6e1wiJGlkXCI6XCI5NVwiLFwiQVwiOjI1NSxcIlJcIjowLFwiR1wiOjExNCxcIkJcIjoxODh9fSxcIklzVmlzaWJsZVwiOnRydWUsXCJXaWR0aFwiOjE4LjAsXCJIZWlnaHRcIjoyMC4wLFwiQm9yZGVyU3R5bGVcIjp7XCIkaWRcIjpcIjk2XCIsXCJMaW5lQ29sb3JcIjp7XCIkaWRcIjpcIjk3XCIsXCIkdHlwZVwiOlwiTkxSRS5Db21tb24uRG9tLlNvbGlkQ29sb3JCcnVzaCwgTkxSRS5Db21tb25cIixcIkNvbG9yXCI6e1wiJGlkXCI6XCI5OFwiLFwiQVwiOjI1NSxcIlJcIjoyNTUsXCJHXCI6MCxcIkJcIjowfX0sXCJMaW5lV2VpZ2h0XCI6MC4wLFwiTGluZVR5cGVcIjowfX0sXCJUaXRsZVN0eWxlXCI6e1wiJGlkXCI6XCI5OVwiLFwiRm9udFNldHRpbmdzXCI6e1wiJGlkXCI6XCIxMDBcIixcIkZvbnRTaXplXCI6MTEsXCJGb250TmFtZVwiOlwiQ2FsaWJyaVwiLFwiSXNCb2xkXCI6dHJ1ZSxcIklzSXRhbGljXCI6ZmFsc2UsXCJJc1VuZGVybGluZWRcIjpmYWxzZX0sXCJBdXRvU2l6ZVwiOjAsXCJGb3JlZ3JvdW5kXCI6e1wiJGlkXCI6XCIxMDFcIixcIkNvbG9yXCI6e1wiJGlkXCI6XCIxMDJcIixcIkFcIjoyNTUsXCJSXCI6MCxcIkdcIjowLFwiQlwiOjB9fSxcIkJhY2tncm91bmRGaWxsVHlwZVwiOjAsXCJNYXhXaWR0aFwiOjIwMC4wLFwiTWF4SGVpZ2h0XCI6XCJJbmZpbml0eVwiLFwiU21hcnRGb3JlZ3JvdW5kSXNBY3RpdmVcIjpmYWxzZSxcIkhvcml6b250YWxBbGlnbm1lbnRcIjoxLFwiVmVydGljYWxBbGlnbm1lbnRcIjowLFwiU21hcnRGb3JlZ3JvdW5kXCI6bnVsbCxcIk1hcmdpblwiOntcIiRpZFwiOlwiMTAzXCIsXCJUb3BcIjowLjAsXCJMZWZ0XCI6MC4wLFwiUmlnaHRcIjowLjAsXCJCb3R0b21cIjowLjB9LFwiUGFkZGluZ1wiOntcIiRpZFwiOlwiMTA0XCIsXCJUb3BcIjowLjAsXCJMZWZ0XCI6MC4wLFwiUmlnaHRcIjowLjAsXCJCb3R0b21cIjowLjB9LFwiQmFja2dyb3VuZFwiOntcIiRpZFwiOlwiMTA1XCIsXCJDb2xvclwiOntcIiRyZWZcIjpcIjM2XCJ9fSxcIklzVmlzaWJsZVwiOnRydWUsXCJXaWR0aFwiOjAuMCxcIkhlaWdodFwiOjAuMCxcIkJvcmRlclN0eWxlXCI6bnVsbH0sXCJEYXRlU3R5bGVcIjp7XCIkaWRcIjpcIjEwNlwiLFwiRm9udFNldHRpbmdzXCI6e1wiJGlkXCI6XCIxMDdcIixcIkZvbnRTaXplXCI6MTAsXCJGb250TmFtZVwiOlwiQ2FsaWJyaVwiLFwiSXNCb2xkXCI6ZmFsc2UsXCJJc0l0YWxpY1wiOmZhbHNlLFwiSXNVbmRlcmxpbmVkXCI6ZmFsc2V9LFwiQXV0b1NpemVcIjowLFwiRm9yZWdyb3VuZFwiOntcIiRpZFwiOlwiMTA4XCIsXCJDb2xvclwiOntcIiRpZFwiOlwiMTA5XCIsXCJBXCI6MjU1LFwiUlwiOjY4LFwiR1wiOjg0LFwiQlwiOjEwNn19LFwiQmFja2dyb3VuZEZpbGxUeXBlXCI6MCxcIk1heFdpZHRoXCI6MjAwLjAsXCJNYXhIZWlnaHRcIjpcIkluZmluaXR5XCIsXCJTbWFydEZvcmVncm91bmRJc0FjdGl2ZVwiOmZhbHNlLFwiSG9yaXpvbnRhbEFsaWdubWVudFwiOjAsXCJWZXJ0aWNhbEFsaWdubWVudFwiOjAsXCJTbWFydEZvcmVncm91bmRcIjpudWxsLFwiTWFyZ2luXCI6e1wiJGlkXCI6XCIxMTBcIixcIlRvcFwiOjAuMCxcIkxlZnRcIjowLjAsXCJSaWdodFwiOjAuMCxcIkJvdHRvbVwiOjAuMH0sXCJQYWRkaW5nXCI6e1wiJGlkXCI6XCIxMTFcIixcIlRvcFwiOjAuMCxcIkxlZnRcIjowLjAsXCJSaWdodFwiOjAuMCxcIkJvdHRvbVwiOjAuMH0sXCJCYWNrZ3JvdW5kXCI6e1wiJGlkXCI6XCIxMTJcIixcIkNvbG9yXCI6e1wiJHJlZlwiOlwiMzZcIn19LFwiSXNWaXNpYmxlXCI6dHJ1ZSxcIldpZHRoXCI6MC4wLFwiSGVpZ2h0XCI6MC4wLFwiQm9yZGVyU3R5bGVcIjpudWxsfSxcIkRhdGVGb3JtYXRcIjp7XCIkaWRcIjpcIjExM1wiLFwiRm9ybWF0U3RyaW5nXCI6XCJNTU0gZFwiLFwiU2VwYXJhdG9yXCI6XCIvXCIsXCJVc2VJbnRlcm5hdGlvbmFsRGF0ZUZvcm1hdFwiOmZhbHNlLFwiRGF0ZUlzVmlzaWJsZVwiOnRydWUsXCJUaW1lSXNWaXNpYmxlXCI6ZmFsc2UsXCJIb3VyRGlnaXRzXCI6MSxcIkFtUG1EZXNpZ25hdG9yXCI6MixcIlRyaW0wME1pbnV0ZXNcIjpmYWxzZSxcIkxhc3RLbm93blZpc2liaWxpdHlTdGF0ZVwiOm51bGx9LFwiSXNWaXNpYmxlXCI6dHJ1ZX0sXCJEZWZhdWx0VGFza1N0eWxlXCI6e1wiJGlkXCI6XCIxMTRcIixcIlNoYXBlXCI6MixcIlNoYXBlVGhpY2tuZXNzXCI6MSxcIkR1cmF0aW9uRm9ybWF0XCI6MCxcIlBlcmNlbnRhZ2VDb21wbGV0ZVN0eWxlXCI6e1wiJGlkXCI6XCIxMTVcIixcIkZvbnRTZXR0aW5nc1wiOntcIiRpZFwiOlwiMTE2XCIsXCJGb250U2l6ZVwiOjEwLFwiRm9udE5hbWVcIjpcIkNhbGlicmlcIixcIklzQm9sZFwiOmZhbHNlLFwiSXNJdGFsaWNcIjpmYWxzZSxcIklzVW5kZXJsaW5lZFwiOmZhbHNlfSxcIkF1dG9TaXplXCI6MCxcIkZvcmVncm91bmRcIjp7XCIkaWRcIjpcIjExN1wiLFwiQ29sb3JcIjp7XCIkaWRcIjpcIjExOFwiLFwiQVwiOjI1NSxcIlJcIjoyMzcsXCJHXCI6MTI1LFwiQlwiOjQ5fX0sXCJCYWNrZ3JvdW5kRmlsbFR5cGVcIjowLFwiTWF4V2lkdGhcIjoyMDAuMCxcIk1heEhlaWdodFwiOlwiSW5maW5pdHlcIixcIlNtYXJ0Rm9yZWdyb3VuZElzQWN0aXZlXCI6ZmFsc2UsXCJIb3Jpem9udGFsQWxpZ25tZW50XCI6MCxcIlZlcnRpY2FsQWxpZ25tZW50XCI6MCxcIlNtYXJ0Rm9yZWdyb3VuZFwiOm51bGwsXCJNYXJnaW5cIjp7XCIkaWRcIjpcIjExOVwiLFwiVG9wXCI6MC4wLFwiTGVmdFwiOjAuMCxcIlJpZ2h0XCI6MC4wLFwiQm90dG9tXCI6MC4wfSxcIlBhZGRpbmdcIjp7XCIkaWRcIjpcIjEyMFwiLFwiVG9wXCI6MC4wLFwiTGVmdFwiOjAuMCxcIlJpZ2h0XCI6MC4wLFwiQm90dG9tXCI6MC4wfSxcIkJhY2tncm91bmRcIjp7XCIkaWRcIjpcIjEyMVwiLFwiQ29sb3JcIjp7XCIkcmVmXCI6XCIzNlwifX0sXCJJc1Zpc2libGVcIjp0cnVlLFwiV2lkdGhcIjowLjAsXCJIZWlnaHRcIjowLjAsXCJCb3JkZXJTdHlsZVwiOm51bGx9LFwiRHVyYXRpb25TdHlsZVwiOntcIiRpZFwiOlwiMTIyXCIsXCJGb250U2V0dGluZ3NcIjp7XCIkaWRcIjpcIjEyM1wiLFwiRm9udFNpemVcIjoxMCxcIkZvbnROYW1lXCI6XCJDYWxpYnJpXCIsXCJJc0JvbGRcIjpmYWxzZSxcIklzSXRhbGljXCI6ZmFsc2UsXCJJc1VuZGVybGluZWRcIjpmYWxzZX0sXCJBdXRvU2l6ZVwiOjAsXCJGb3JlZ3JvdW5kXCI6e1wiJGlkXCI6XCIxMjRcIixcIkNvbG9yXCI6e1wiJGlkXCI6XCIxMjVcIixcIkFcIjoyNTUsXCJSXCI6MjM3LFwiR1wiOjEyNSxcIkJcIjo0OX19LFwiQmFja2dyb3VuZEZpbGxUeXBlXCI6MCxcIk1heFdpZHRoXCI6MjAwLjAsXCJNYXhIZWlnaHRcIjpcIkluZmluaXR5XCIsXCJTbWFydEZvcmVncm91bmRJc0FjdGl2ZVwiOmZhbHNlLFwiSG9yaXpvbnRhbEFsaWdubWVudFwiOjAsXCJWZXJ0aWNhbEFsaWdubWVudFwiOjAsXCJTbWFydEZvcmVncm91bmRcIjpudWxsLFwiTWFyZ2luXCI6e1wiJGlkXCI6XCIxMjZcIixcIlRvcFwiOjAuMCxcIkxlZnRcIjowLjAsXCJSaWdodFwiOjAuMCxcIkJvdHRvbVwiOjAuMH0sXCJQYWRkaW5nXCI6e1wiJGlkXCI6XCIxMjdcIixcIlRvcFwiOjAuMCxcIkxlZnRcIjowLjAsXCJSaWdodFwiOjAuMCxcIkJvdHRvbVwiOjAuMH0sXCJCYWNrZ3JvdW5kXCI6e1wiJGlkXCI6XCIxMjhcIixcIkNvbG9yXCI6e1wiJHJlZlwiOlwiMzZcIn19LFwiSXNWaXNpYmxlXCI6dHJ1ZSxcIldpZHRoXCI6MC4wLFwiSGVpZ2h0XCI6MC4wLFwiQm9yZGVyU3R5bGVcIjpudWxsfSxcIkhvcml6b250YWxDb25uZWN0b3JTdHlsZVwiOntcIiRpZFwiOlwiMTI5XCIsXCJMaW5lQ29sb3JcIjp7XCIkaWRcIjpcIjEzMFwiLFwiJHR5cGVcIjpcIk5MUkUuQ29tbW9uLkRvbS5Tb2xpZENvbG9yQnJ1c2gsIE5MUkUuQ29tbW9uXCIsXCJDb2xvclwiOntcIiRpZFwiOlwiMTMxXCIsXCJBXCI6MjU1LFwiUlwiOjIwNCxcIkdcIjoyMDQsXCJCXCI6MjA0fX0sXCJMaW5lV2VpZ2h0XCI6MS4wLFwiTGluZVR5cGVcIjowfSxcIlZlcnRpY2FsQ29ubmVjdG9yU3R5bGVcIjp7XCIkaWRcIjpcIjEzMlwiLFwiTGluZUNvbG9yXCI6e1wiJGlkXCI6XCIxMzNcIixcIiR0eXBlXCI6XCJOTFJFLkNvbW1vbi5Eb20uU29saWRDb2xvckJydXNoLCBOTFJFLkNvbW1vblwiLFwiQ29sb3JcIjp7XCIkaWRcIjpcIjEzNFwiLFwiQVwiOjI1NSxcIlJcIjoyMDQsXCJHXCI6MjA0LFwiQlwiOjIwNH19LFwiTGluZVdlaWdodFwiOjAuMCxcIkxpbmVUeXBlXCI6MH0sXCJNYXJnaW5cIjpudWxsLFwiU3RhcnREYXRlUG9zaXRpb25cIjozLFwiRW5kRGF0ZVBvc2l0aW9uXCI6NCxcIlRpdGxlUG9zaXRpb25cIjoyLFwiRHVyYXRpb25Qb3NpdGlvblwiOjYsXCJQZXJjZW50YWdlQ29tcGxldGVkUG9zaXRpb25cIjo2LFwiU3BhY2luZ1wiOjUsXCJJc0JlbG93VGltZWJhbmRcIjp0cnVlLFwiUGVyY2VudGFnZUNvbXBsZXRlU2hhcGVPcGFjaXR5XCI6MzUsXCJHcm91cE5hbWVcIjpudWxsLFwiQXR0YWNoZWRNaWxlc3RvbmVzU3R5bGVzXCI6bnVsbCxcIlNoYXBlU3R5bGVcIjp7XCIkaWRcIjpcIjEzNVwiLFwiTWFyZ2luXCI6e1wiJGlkXCI6XCIxMzZcIixcIlRvcFwiOjAuMCxcIkxlZnRcIjo0LjAsXCJSaWdodFwiOjQuMCxcIkJvdHRvbVwiOjAuMH0sXCJQYWRkaW5nXCI6e1wiJGlkXCI6XCIxMzdcIixcIlRvcFwiOjAuMCxcIkxlZnRcIjowLjAsXCJSaWdodFwiOjAuMCxcIkJvdHRvbVwiOjAuMH0sXCJCYWNrZ3JvdW5kXCI6e1wiJGlkXCI6XCIxMzhcIixcIkNvbG9yXCI6e1wiJGlkXCI6XCIxMzlcIixcIkFcIjoyNTUsXCJSXCI6MCxcIkdcIjoxMTQsXCJCXCI6MTg4fX0sXCJJc1Zpc2libGVcIjp0cnVlLFwiV2lkdGhcIjowLjAsXCJIZWlnaHRcIjoxNi4wLFwiQm9yZGVyU3R5bGVcIjp7XCIkaWRcIjpcIjE0MFwiLFwiTGluZUNvbG9yXCI6e1wiJGlkXCI6XCIxNDFcIixcIiR0eXBlXCI6XCJOTFJFLkNvbW1vbi5Eb20uU29saWRDb2xvckJydXNoLCBOTFJFLkNvbW1vblwiLFwiQ29sb3JcIjp7XCIkaWRcIjpcIjE0MlwiLFwiQVwiOjI1NSxcIlJcIjoyNTUsXCJHXCI6MCxcIkJcIjowfX0sXCJMaW5lV2VpZ2h0XCI6MC4wLFwiTGluZVR5cGVcIjowfX0sXCJUaXRsZVN0eWxlXCI6e1wiJGlkXCI6XCIxNDNcIixcIkZvbnRTZXR0aW5nc1wiOntcIiRpZFwiOlwiMTQ0XCIsXCJGb250U2l6ZVwiOjExLFwiRm9udE5hbWVcIjpcIkNhbGlicmlcIixcIklzQm9sZFwiOnRydWUsXCJJc0l0YWxpY1wiOmZhbHNlLFwiSXNVbmRlcmxpbmVkXCI6ZmFsc2V9LFwiQXV0b1NpemVcIjowLFwiRm9yZWdyb3VuZFwiOntcIiRpZFwiOlwiMTQ1XCIsXCJDb2xvclwiOntcIiRpZFwiOlwiMTQ2XCIsXCJBXCI6MjU1LFwiUlwiOjAsXCJHXCI6MCxcIkJcIjowfX0sXCJCYWNrZ3JvdW5kRmlsbFR5cGVcIjowLFwiTWF4V2lkdGhcIjo5NjAuMCxcIk1heEhlaWdodFwiOlwiSW5maW5pdHlcIixcIlNtYXJ0Rm9yZWdyb3VuZElzQWN0aXZlXCI6ZmFsc2UsXCJIb3Jpem9udGFsQWxpZ25tZW50XCI6MSxcIlZlcnRpY2FsQWxpZ25tZW50XCI6MCxcIlNtYXJ0Rm9yZWdyb3VuZFwiOm51bGwsXCJNYXJnaW5cIjp7XCIkaWRcIjpcIjE0N1wiLFwiVG9wXCI6MC4wLFwiTGVmdFwiOjAuMCxcIlJpZ2h0XCI6MC4wLFwiQm90dG9tXCI6MC4wfSxcIlBhZGRpbmdcIjp7XCIkaWRcIjpcIjE0OFwiLFwiVG9wXCI6MC4wLFwiTGVmdFwiOjAuMCxcIlJpZ2h0XCI6MC4wLFwiQm90dG9tXCI6MC4wfSxcIkJhY2tncm91bmRcIjp7XCIkaWRcIjpcIjE0OVwiLFwiQ29sb3JcIjp7XCIkcmVmXCI6XCIzNlwifX0sXCJJc1Zpc2libGVcIjp0cnVlLFwiV2lkdGhcIjowLjAsXCJIZWlnaHRcIjowLjAsXCJCb3JkZXJTdHlsZVwiOm51bGx9LFwiRGF0ZVN0eWxlXCI6e1wiJGlkXCI6XCIxNTBcIixcIkZvbnRTZXR0aW5nc1wiOntcIiRpZFwiOlwiMTUxXCIsXCJGb250U2l6ZVwiOjEwLFwiRm9udE5hbWVcIjpcIkNhbGlicmlcIixcIklzQm9sZFwiOmZhbHNlLFwiSXNJdGFsaWNcIjpmYWxzZSxcIklzVW5kZXJsaW5lZFwiOmZhbHNlfSxcIkF1dG9TaXplXCI6MCxcIkZvcmVncm91bmRcIjp7XCIkaWRcIjpcIjE1MlwiLFwiQ29sb3JcIjp7XCIkaWRcIjpcIjE1M1wiLFwiQVwiOjI1NSxcIlJcIjo2OCxcIkdcIjo4NCxcIkJcIjoxMDZ9fSxcIkJhY2tncm91bmRGaWxsVHlwZVwiOjAsXCJNYXhXaWR0aFwiOjIwMC4wLFwiTWF4SGVpZ2h0XCI6XCJJbmZpbml0eVwiLFwiU21hcnRGb3JlZ3JvdW5kSXNBY3RpdmVcIjpmYWxzZSxcIkhvcml6b250YWxBbGlnbm1lbnRcIjoxLFwiVmVydGljYWxBbGlnbm1lbnRcIjowLFwiU21hcnRGb3JlZ3JvdW5kXCI6bnVsbCxcIk1hcmdpblwiOntcIiRpZFwiOlwiMTU0XCIsXCJUb3BcIjowLjAsXCJMZWZ0XCI6MC4wLFwiUmlnaHRcIjowLjAsXCJCb3R0b21cIjowLjB9LFwiUGFkZGluZ1wiOntcIiRpZFwiOlwiMTU1XCIsXCJUb3BcIjowLjAsXCJMZWZ0XCI6MC4wLFwiUmlnaHRcIjowLjAsXCJCb3R0b21cIjowLjB9LFwiQmFja2dyb3VuZFwiOntcIiRpZFwiOlwiMTU2XCIsXCJDb2xvclwiOntcIiRyZWZcIjpcIjM2XCJ9fSxcIklzVmlzaWJsZVwiOnRydWUsXCJXaWR0aFwiOjAuMCxcIkhlaWdodFwiOjAuMCxcIkJvcmRlclN0eWxlXCI6bnVsbH0sXCJEYXRlRm9ybWF0XCI6e1wiJGlkXCI6XCIxNTdcIixcIkZvcm1hdFN0cmluZ1wiOlwiTU1NIGRcIixcIlNlcGFyYXRvclwiOlwiL1wiLFwiVXNlSW50ZXJuYXRpb25hbERhdGVGb3JtYXRcIjpmYWxzZSxcIkRhdGVJc1Zpc2libGVcIjp0cnVlLFwiVGltZUlzVmlzaWJsZVwiOmZhbHNlLFwiSG91ckRpZ2l0c1wiOjEsXCJBbVBtRGVzaWduYXRvclwiOjIsXCJUcmltMDBNaW51dGVzXCI6ZmFsc2UsXCJMYXN0S25vd25WaXNpYmlsaXR5U3RhdGVcIjpudWxsfSxcIklzVmlzaWJsZVwiOnRydWV9LFwiU2hvd0VsYXBzZWRUaW1lR3JhZGllbnRTdHlsZVwiOmZhbHNlLFwiVGltZWJhbmRSZXNlcnZlZExlZnRBcmVhU3R5bGVcIjpudWxsLFwiRGVmYXVsdFN3aW1sYW5lU3R5bGVcIjp7XCIkaWRcIjpcIjE1OFwiLFwiSGVhZGVyU3R5bGVcIjp7XCIkaWRcIjpcIjE1OVwiLFwiVGV4dFN0eWxlXCI6e1wiJGlkXCI6XCIxNjBcIixcIkZvbnRTZXR0aW5nc1wiOntcIiRpZFwiOlwiMTYxXCIsXCJGb250U2l6ZVwiOjEyLFwiRm9udE5hbWVcIjpcIkNhbGlicmlcIixcIklzQm9sZFwiOmZhbHNlLFwiSXNJdGFsaWNcIjpmYWxzZSxcIklzVW5kZXJsaW5lZFwiOmZhbHNlfSxcIkF1dG9TaXplXCI6MCxcIkZvcmVncm91bmRcIjp7XCIkaWRcIjpcIjE2MlwiLFwiQ29sb3JcIjp7XCIkaWRcIjpcIjE2M1wiLFwiQVwiOjI1NSxcIlJcIjozMixcIkdcIjo1NixcIkJcIjoxMDB9fSxcIkJhY2tncm91bmRGaWxsVHlwZVwiOjAsXCJNYXhXaWR0aFwiOjAuMCxcIk1heEhlaWdodFwiOjAuMCxcIlNtYXJ0Rm9yZWdyb3VuZElzQWN0aXZlXCI6ZmFsc2UsXCJIb3Jpem9udGFsQWxpZ25tZW50XCI6MCxcIlZlcnRpY2FsQWxpZ25tZW50XCI6MCxcIlNtYXJ0Rm9yZWdyb3VuZFwiOm51bGwsXCJNYXJnaW5cIjp7XCIkaWRcIjpcIjE2NFwiLFwiVG9wXCI6MC4wLFwiTGVmdFwiOjAuMCxcIlJpZ2h0XCI6MC4wLFwiQm90dG9tXCI6MC4wfSxcIlBhZGRpbmdcIjp7XCIkaWRcIjpcIjE2NVwiLFwiVG9wXCI6MC4wLFwiTGVmdFwiOjAuMCxcIlJpZ2h0XCI6MC4wLFwiQm90dG9tXCI6MC4wfSxcIkJhY2tncm91bmRcIjpudWxsLFwiSXNWaXNpYmxlXCI6ZmFsc2UsXCJXaWR0aFwiOjAuMCxcIkhlaWdodFwiOjAuMCxcIkJvcmRlclN0eWxlXCI6bnVsbH0sXCJSZWN0YW5nbGVTdHlsZVwiOntcIiRpZFwiOlwiMTY2XCIsXCJNYXJnaW5cIjp7XCIkaWRcIjpcIjE2N1wiLFwiVG9wXCI6MC4wLFwiTGVmdFwiOjAuMCxcIlJpZ2h0XCI6MC4wLFwiQm90dG9tXCI6MC4wfSxcIlBhZGRpbmdcIjp7XCIkaWRcIjpcIjE2OFwiLFwiVG9wXCI6MC4wLFwiTGVmdFwiOjAuMCxcIlJpZ2h0XCI6MC4wLFwiQm90dG9tXCI6MC4wfSxcIkJhY2tncm91bmRcIjp7XCIkaWRcIjpcIjE2OVwiLFwiQ29sb3JcIjp7XCIkaWRcIjpcIjE3MFwiLFwiQVwiOjEyNyxcIlJcIjo5MSxcIkdcIjoxNTUsXCJCXCI6MjEzfX0sXCJJc1Zpc2libGVcIjpmYWxzZSxcIldpZHRoXCI6MC4wLFwiSGVpZ2h0XCI6MC4wLFwiQm9yZGVyU3R5bGVcIjp7XCIkaWRcIjpcIjE3MVwiLFwiTGluZUNvbG9yXCI6e1wiJGlkXCI6XCIxNzJcIixcIiR0eXBlXCI6XCJOTFJFLkNvbW1vbi5Eb20uU29saWRDb2xvckJydXNoLCBOTFJFLkNvbW1vblwiLFwiQ29sb3JcIjp7XCIkaWRcIjpcIjE3M1wiLFwiQVwiOjI1NSxcIlJcIjoyNTUsXCJHXCI6MCxcIkJcIjowfX0sXCJMaW5lV2VpZ2h0XCI6MC4wLFwiTGluZVR5cGVcIjowfX0sXCJUZXh0SXNWZXJ0aWNhbFwiOmZhbHNlfSxcIkJhY2tncm91bmRTdHlsZVwiOntcIiRpZFwiOlwiMTc0XCIsXCJNYXJnaW5cIjp7XCIkaWRcIjpcIjE3NVwiLFwiVG9wXCI6MC4wLFwiTGVmdFwiOjAuMCxcIlJpZ2h0XCI6MC4wLFwiQm90dG9tXCI6MC4wfSxcIlBhZGRpbmdcIjp7XCIkaWRcIjpcIjE3NlwiLFwiVG9wXCI6MC4wLFwiTGVmdFwiOjAuMCxcIlJpZ2h0XCI6MC4wLFwiQm90dG9tXCI6MC4wfSxcIkJhY2tncm91bmRcIjp7XCIkaWRcIjpcIjE3N1wiLFwiQ29sb3JcIjp7XCIkaWRcIjpcIjE3OFwiLFwiQVwiOjM4LFwiUlwiOjkxLFwiR1wiOjE1NSxcIkJcIjoyMTN9fSxcIklzVmlzaWJsZVwiOnRydWUsXCJXaWR0aFwiOjAuMCxcIkhlaWdodFwiOjAuMCxcIkJvcmRlclN0eWxlXCI6e1wiJGlkXCI6XCIxNzlcIixcIkxpbmVDb2xvclwiOntcIiRpZFwiOlwiMTgwXCIsXCIkdHlwZVwiOlwiTkxSRS5Db21tb24uRG9tLlNvbGlkQ29sb3JCcnVzaCwgTkxSRS5Db21tb25cIixcIkNvbG9yXCI6e1wiJGlkXCI6XCIxODFcIixcIkFcIjoyNTUsXCJSXCI6MjU1LFwiR1wiOjAsXCJCXCI6MH19LFwiTGluZVdlaWdodFwiOjAuMCxcIkxpbmVUeXBlXCI6MH19LFwiSXNBYm92ZVRpbWViYW5kXCI6ZmFsc2V9LFwiQ3VzdG9tTWlsZXN0b25lU3R5bGVMaXN0XCI6W10sXCJDdXN0b21UYXNrU3R5bGVMaXN0XCI6W10sXCJDdXN0b21Td2ltbGFuZURlZmluaXRpb25TdHlsZUxpc3RcIjpbXSxcIkN1c3RvbVN3aW1sYW5lVjJTdHlsZUxpc3RcIjpbXSxcIkdyaWRsaW5lUGFuZWxTdHlsZVwiOntcIiRpZFwiOlwiMTgyXCIsXCJHcmlkbGluZVN0eWxlXCI6e1wiJGlkXCI6XCIxODNcIixcIkxpbmVDb2xvclwiOntcIiRpZFwiOlwiMTg0XCIsXCIkdHlwZVwiOlwiTkxSRS5Db21tb24uRG9tLlNvbGlkQ29sb3JCcnVzaCwgTkxSRS5Db21tb25cIixcIkNvbG9yXCI6e1wiJGlkXCI6XCIxODVcIixcIkFcIjozOCxcIlJcIjo5MSxcIkdcIjoxNTUsXCJCXCI6MjEzfX0sXCJMaW5lV2VpZ2h0XCI6MS4wLFwiTGluZVR5cGVcIjowfSxcIklzVmlzaWJsZVwiOnRydWV9LFwiQWN0aXZpdHlMaW5lUGFuZWxTdHlsZVwiOntcIiRpZFwiOlwiMTg2XCIsXCJBY3Rpdml0eUxpbmVTdHlsZVwiOntcIiRpZFwiOlwiMTg3XCIsXCJMaW5lQ29sb3JcIjp7XCIkaWRcIjpcIjE4OFwiLFwiJHR5cGVcIjpcIk5MUkUuQ29tbW9uLkRvbS5Tb2xpZENvbG9yQnJ1c2gsIE5MUkUuQ29tbW9uXCIsXCJDb2xvclwiOntcIiRpZFwiOlwiMTg5XCIsXCJBXCI6MzgsXCJSXCI6NjgsXCJHXCI6MTE0LFwiQlwiOjE5Nn19LFwiTGluZVdlaWdodFwiOjEuMCxcIkxpbmVUeXBlXCI6MH0sXCJJc1Zpc2libGVcIjp0cnVlfX0sXCJTY2FsZVwiOntcIiRpZFwiOlwiMTkwXCIsXCJTdGFydERhdGVcIjpcIjAwMDEtMDEtMDFUMDA6MDA6MDBcIixcIkVuZERhdGVcIjpcIjAwMDEtMDEtMDFUMDA6MDA6MDBcIixcIkZvcm1hdFwiOlwid1wiLFwiVHlwZVwiOjEsXCJBdXRvRGF0ZVJhbmdlXCI6dHJ1ZSxcIldvcmtpbmdEYXlzXCI6MzEsXCJUb2RheU1hcmtlclRleHRcIjpcIlRvZGF5XCIsXCJBdXRvU2NhbGVUeXBlXCI6dHJ1ZX0sXCJTY2FsZVYyXCI6e1wiJGlkXCI6XCIxOTFcIixcIlN0YXJ0RGF0ZVwiOlwiMDAwMS0wMS0wMVQwMDowMDowMFwiLFwiRW5kRGF0ZVwiOlwiMDAwMS0wMS0wMVQwMDowMDowMFwiLFwiQXV0b0RhdGVSYW5nZVwiOnRydWUsXCJXb3JraW5nRGF5c1wiOjMxLFwiVG9kYXlNYXJrZXJUZXh0XCI6XCJUb2RheVwiLFwiQXV0b1NjYWxlVHlwZVwiOnRydWUsXCJUaW1lYmFuZFNjYWxlc1wiOntcIiRpZFwiOlwiMTkyXCIsXCJUb3BTY2FsZUxheWVyXCI6e1wiJGlkXCI6XCIxOTNcIixcIkZvcm1hdFwiOlwid1wiLFwiVHlwZVwiOjF9LFwiTWlkZGxlU2NhbGVMYXllclwiOntcIiRpZFwiOlwiMTk0XCIsXCJGb3JtYXRcIjpudWxsLFwiVHlwZVwiOjB9LFwiQm90dG9tU2NhbGVMYXllclwiOntcIiRpZFwiOlwiMTk1XCIsXCJGb3JtYXRcIjpudWxsLFwiVHlwZVwiOjB9fX0sXCJNaWxlc3RvbmVzXCI6W10sXCJUYXNrc1wiOltdLFwiU3dpbWxhbmVzXCI6W10sXCJTd2ltbGFuZXNWMlwiOltdLFwiU2V0dGluZ3NcIjp7XCIkaWRcIjpcIjE5NlwiLFwiSW1wYU9wdGlvbnNcIjp7XCIkaWRcIjpcIjE5N1wiLFwiTGVmdFRvUmlnaHRcIjpmYWxzZSxcIlBheWxvYWRPcHRpb25zXCI6Mn19LFwiVGltZUNvbmZpZ3VyYXRpb25cIjp7XCIkaWRcIjpcIjE5OFwiLFwiVXNlVGltZVwiOmZhbHNlLFwiV29ya0RheVN0YXJ0XCI6XCIwMDowMDowMFwiLFwiV29ya0RheUVuZFwiOlwiMjM6NTk6MDBcIn19IiwiUmVjZW50Q29sb3JzQ29sbGVjdGlvbiI6IltcIiNGRjFBQUE0MlwiXSJ9LCJTZXR0aW5ncyI6eyIkaWQiOiI4NTciLCJJbXBhT3B0aW9ucyI6eyIkaWQiOiI4NTgiLCJMZWZ0VG9SaWdodCI6ZmFsc2UsIlBheWxvYWRPcHRpb25zIjoyfSwiVXNlQ29tcHJlc3Npb24iOmZhbHNlLCJDb21wcmVzaW9uUGVyY2VudGFnZSI6NTAuMCwiSW5hY3RpdmVJbnRlcnZhbFdpZHRoVGhyZXNob2xkIjozMC4wLCJJbmFjdGl2ZUludGVydmFsV2lkdGgiOjEuMCwiU3BsaXRUYXNrcyI6ZmFsc2UsIlVzZUNsdXN0ZXIiOmZhbHNlLCJFcHNpbG9uIjo1LjAsIk1pblBvaW50c1RvRm9ybUFDbHVzdGVyIjoyLCJHZW5lcmF0ZUludmlzaWJsZVNoYXBlcyI6ZmFsc2UsIlNtYXJ0VGltZWxpbmVUYXNrUGVyY2VudGFnZUZpdCI6ZmFsc2V9LCJJc05ldyI6ZmFsc2UsIkltcG9ydFR5cGUiOjAsIkZpbGVQYXRoIjpudWxsLCJUaW1lQ29uZmlndXJhdGlvbiI6eyIkaWQiOiI4NTkiLCJVc2VUaW1lIjpmYWxzZSwiV29ya0RheVN0YXJ0IjoiMDA6MDA6MDAiLCJXb3JrRGF5RW5kIjoiMjM6NTk6MDAifSwiTGFzdFVzZWRUZW1wbGF0ZUlkIjoiYzExZjZmNDktN2RiOC00NWZkLWJhMzItYmZjYWVhNDkyZjM5IiwiRmlyc3RXZWVrT2ZZZWFyIjowLCJQbGFjZU1pbGVzdG9uZUF0VGhlQmVnaW5uaW5nT2ZUaGVEYXkiOmZhbHNlfQ=="/>
@@ -17524,7 +23536,105 @@
 </p:tagLst>
 </file>
 
+<file path=ppt/tags/tag258.xml><?xml version="1.0" encoding="utf-8"?>
+<p:tagLst xmlns:a="http://schemas.openxmlformats.org/drawingml/2006/main" xmlns:r="http://schemas.openxmlformats.org/officeDocument/2006/relationships" xmlns:p="http://schemas.openxmlformats.org/presentationml/2006/main">
+  <p:tag name="__PART_0" val="eyIkaWQiOiIxIiwiX3N3aW1sYW5lc1YyIjpbeyIkaWQiOiIyIiwiX2FjdGl2aXRpZXMiOlt7IiRpZCI6IjMiLCJfcm93cyI6W3siJGlkIjoiNCIsIl90YXNrcyI6W3siJGlkIjoiNSIsIl9hdHRhY2hlZE1pbGVzdG9uZXMiOltdLCJUYXNrRGVmaW5pdGlvbiI6eyIkaWQiOiI2IiwiR3JvdXBOYW1lIjpudWxsLCJTdGFydERhdGUiOiIyMDIyLTA1LTE1VDAwOjAwOjAwWiIsIkVuZERhdGUiOiIyMDIyLTA1LTE4VDIzOjU5OjAwWiIsIlBlcmNlbnRhZ2VDb21wbGV0ZSI6bnVsbCwiU3R5bGUiOnsiJGlkIjoiNyIsIlNoYXBlIjoyLCJTaGFwZVRoaWNrbmVzcyI6MSwiRHVyYXRpb25Gb3JtYXQiOjAsIkluY2x1ZGVOb25Xb3JraW5nRGF5c0luRHVyYXRpb24iOmZhbHNlLCJQZXJjZW50YWdlQ29tcGxldGVTdHlsZSI6eyIkaWQiOiI4IiwiRm9udFNldHRpbmdzIjp7IiRpZCI6IjkiLCJGb250U2l6ZSI6MTAsIkZvbnROYW1lIjoiQ2FsaWJyaSIsIklzQm9sZCI6ZmFsc2UsIklzSXRhbGljIjpmYWxzZSwiSXNVbmRlcmxpbmVkIjpmYWxzZSwiUGFyZW50U3R5bGUiOm51bGx9LCJBdXRvU2l6ZSI6MCwiRm9yZWdyb3VuZCI6eyIkaWQiOiIxMCIsIkNvbG9yIjp7IiRpZCI6IjExIiwiQSI6MjU1LCJSIjoyMzcsIkciOjEyNSwiQiI6NDl9fSwiTWF4V2lkdGgiOjIwMC4wLCJNYXhIZWlnaHQiOiJJbmZpbml0eSIsIlNtYXJ0Rm9yZWdyb3VuZElzQWN0aXZlIjpmYWxzZSwiSG9yaXpvbnRhbEFsaWdubWVudCI6MCwiVmVydGljYWxBbGlnbm1lbnQiOjAsIlNtYXJ0Rm9yZWdyb3VuZCI6bnVsbCwiQmFja2dyb3VuZEZpbGxUeXBlIjowLCJNYXJnaW4iOnsiJGlkIjoiMTIiLCJUb3AiOjAuMCwiTGVmdCI6MC4wLCJSaWdodCI6MC4wLCJCb3R0b20iOjAuMH0sIlBhZGRpbmciOnsiJGlkIjoiMTMiLCJUb3AiOjAuMCwiTGVmdCI6MC4wLCJSaWdodCI6MC4wLCJCb3R0b20iOjAuMH0sIkJhY2tncm91bmQiOnsiJGlkIjoiMTQiLCJDb2xvciI6eyIkaWQiOiIxNSIsIkEiOjg5LCJSIjowLCJHIjowLCJCIjowfX0sIklzVmlzaWJsZSI6dHJ1ZSwiV2lkdGgiOjAuMCwiSGVpZ2h0IjowLjAsIkJvcmRlclN0eWxlIjp7IiRpZCI6IjE2IiwiTGluZUNvbG9yIjpudWxsLCJMaW5lV2VpZ2h0IjowLjAsIkxpbmVUeXBlIjowLCJQYXJlbnRTdHlsZSI6bnVsbH0sIlBhcmVudFN0eWxlIjpudWxsfSwiRHVyYXRpb25TdHlsZSI6eyIkaWQiOiIxNyIsIkZvbnRTZXR0aW5ncyI6eyIkaWQiOiIxOCIsIkZvbnRTaXplIjoxMCwiRm9udE5hbWUiOiJDYWxpYnJpIiwiSXNCb2xkIjpmYWxzZSwiSXNJdGFsaWMiOmZhbHNlLCJJc1VuZGVybGluZWQiOmZhbHNlLCJQYXJlbnRTdHlsZSI6bnVsbH0sIkF1dG9TaXplIjowLCJGb3JlZ3JvdW5kIjp7IiRpZCI6IjE5IiwiQ29sb3IiOnsiJGlkIjoiMjAiLCJBIjoyNTUsIlIiOjIzNywiRyI6MTI1LCJCIjo0OX19LCJNYXhXaWR0aCI6MjAwLjAsIk1heEhlaWdodCI6IkluZmluaXR5IiwiU21hcnRGb3JlZ3JvdW5kSXNBY3RpdmUiOmZhbHNlLCJIb3Jpem9udGFsQWxpZ25tZW50IjowLCJWZXJ0aWNhbEFsaWdubWVudCI6MCwiU21hcnRGb3JlZ3JvdW5kIjpudWxsLCJCYWNrZ3JvdW5kRmlsbFR5cGUiOjAsIk1hcmdpbiI6eyIkaWQiOiIyMSIsIlRvcCI6MC4wLCJMZWZ0IjowLjAsIlJpZ2h0IjowLjAsIkJvdHRvbSI6MC4wfSwiUGFkZGluZyI6eyIkaWQiOiIyMiIsIlRvcCI6MC4wLCJMZWZ0IjowLjAsIlJpZ2h0IjowLjAsIkJvdHRvbSI6MC4wfSwiQmFja2dyb3VuZCI6eyIkaWQiOiIyMyIsIkNvbG9yIjp7IiRyZWYiOiIxNSJ9fSwiSXNWaXNpYmxlIjp0cnVlLCJXaWR0aCI6MC4wLCJIZWlnaHQiOjAuMCwiQm9yZGVyU3R5bGUiOnsiJGlkIjoiMjQiLCJMaW5lQ29sb3IiOm51bGwsIkxpbmVXZWlnaHQiOjAuMCwiTGluZVR5cGUiOjAsIlBhcmVudFN0eWxlIjpudWxsfSwiUGFyZW50U3R5bGUiOm51bGx9LCJIb3Jpem9udGFsQ29ubmVjdG9yU3R5bGUiOnsiJGlkIjoiMjUiLCJMaW5lQ29sb3IiOnsiJGlkIjoiMjYiLCIkdHlwZSI6Ik5MUkUuQ29tbW9uLkRvbS5Tb2xpZENvbG9yQnJ1c2gsIE5MUkUuQ29tbW9uIiwiQ29sb3IiOnsiJGlkIjoiMjciLCJBIjoyNTUsIlIiOjIwNCwiRyI6MjA0LCJCIjoyMDR9fSwiTGluZVdlaWdodCI6MS4wLCJMaW5lVHlwZSI6MCwiUGFyZW50U3R5bGUiOm51bGx9LCJWZXJ0aWNhbENvbm5lY3RvclN0eWxlIjp7IiRpZCI6IjI4IiwiTGluZUNvbG9yIjp7IiRpZCI6IjI5IiwiJHR5cGUiOiJOTFJFLkNvbW1vbi5Eb20uU29saWRDb2xvckJydXNoLCBOTFJFLkNvbW1vbiIsIkNvbG9yIjp7IiRpZCI6IjMwIiwiQSI6MjU1LCJSIjoyMDQsIkciOjIwNCwiQiI6MjA0fX0sIkxpbmVXZWlnaHQiOjAuMCwiTGluZVR5cGUiOjAsIlBhcmVudFN0eWxlIjpudWxsfSwiTWFyZ2luIjpudWxsLCJTdGFydERhdGVQb3NpdGlvbiI6MywiRW5kRGF0ZVBvc2l0aW9uIjo0LCJEYXRlSXNWaXNpYmxlIjp0cnVlLCJUaXRsZVBvc2l0aW9uIjoyLCJEdXJhdGlvblBvc2l0aW9uIjo2LCJQZXJjZW50YWdlQ29tcGxldGVkUG9zaXRpb24iOjYsIlNwYWNpbmciOjUsIklzQmVsb3dUaW1lYmFuZCI6dHJ1ZSwiUGVyY2VudGFnZUNvbXBsZXRlU2hhcGVPcGFjaXR5IjozNSwiU2hhcGVTdHlsZSI6eyIkaWQiOiIzMSIsIk1hcmdpbiI6eyIkaWQiOiIzMiIsIlRvcCI6MC4wLCJMZWZ0Ijo0LjAsIlJpZ2h0Ijo0LjAsIkJvdHRvbSI6MC4wfSwiUGFkZGluZyI6eyIkaWQiOiIzMyIsIlRvcCI6MC4wLCJMZWZ0IjowLjAsIlJpZ2h0IjowLjAsIkJvdHRvbSI6MC4wfSwiQmFja2dyb3VuZCI6eyIkaWQiOiIzNCIsIkNvbG9yIjp7IiRpZCI6IjM1IiwiQSI6MjU1LCJSIjo5MSwiRyI6MTU1LCJCIjoyMTN9fSwiSXNWaXNpYmxlIjp0cnVlLCJXaWR0aCI6MC4wLCJIZWlnaHQiOjE2LjAsIkJvcmRlclN0eWxlIjp7IiRpZCI6IjM2IiwiTGluZUNvbG9yIjp7IiRpZCI6IjM3IiwiJHR5cGUiOiJOTFJFLkNvbW1vbi5Eb20uU29saWRDb2xvckJydXNoLCBOTFJFLkNvbW1vbiIsIkNvbG9yIjp7IiRpZCI6IjM4IiwiQSI6MjU1LCJSIjoyNTUsIkciOjAsIkIiOjB9fSwiTGluZVdlaWdodCI6MC4wLCJMaW5lVHlwZSI6MCwiUGFyZW50U3R5bGUiOm51bGx9LCJQYXJlbnRTdHlsZSI6bnVsbH0sIlRpdGxlU3R5bGUiOnsiJGlkIjoiMzkiLCJGb250U2V0dGluZ3MiOnsiJGlkIjoiNDAiLCJGb250U2l6ZSI6MTEsIkZvbnROYW1lIjoiQ2FsaWJyaSIsIklzQm9sZCI6dHJ1ZSwiSXNJdGFsaWMiOmZhbHNlLCJJc1VuZGVybGluZWQiOmZhbHNlLCJQYXJlbnRTdHlsZSI6bnVsbH0sIkF1dG9TaXplIjowLCJGb3JlZ3JvdW5kIjp7IiRpZCI6IjQxIiwiQ29sb3IiOnsiJGlkIjoiNDIiLCJBIjoyNTUsIlIiOjAsIkciOjAsIkIiOjB9fSwiTWF4V2lkdGgiOjcyMC4wLCJNYXhIZWlnaHQiOiJJbmZpbml0eSIsIlNtYXJ0Rm9yZWdyb3VuZElzQWN0aXZlIjpmYWxzZSwiSG9yaXpvbnRhbEFsaWdubWVudCI6MSwiVmVydGljYWxBbGlnbm1lbnQiOjAsIlNtYXJ0Rm9yZWdyb3VuZCI6bnVsbCwiQmFja2dyb3VuZEZpbGxUeXBlIjowLCJNYXJnaW4iOnsiJGlkIjoiNDMiLCJUb3AiOjAuMCwiTGVmdCI6MC4wLCJSaWdodCI6MC4wLCJCb3R0b20iOjAuMH0sIlBhZGRpbmciOnsiJGlkIjoiNDQiLCJUb3AiOjAuMCwiTGVmdCI6MC4wLCJSaWdodCI6MC4wLCJCb3R0b20iOjAuMH0sIkJhY2tncm91bmQiOnsiJGlkIjoiNDUiLCJDb2xvciI6eyIkaWQiOiI0NiIsIkEiOjAsIlIiOjI1NSwiRyI6MjU1LCJCIjoyNTV9fSwiSXNWaXNpYmxlIjp0cnVlLCJXaWR0aCI6MC4wLCJIZWlnaHQiOjAuMCwiQm9yZGVyU3R5bGUiOnsiJGlkIjoiNDciLCJMaW5lQ29sb3IiOm51bGwsIkxpbmVXZWlnaHQiOjAuMCwiTGluZVR5cGUiOjAsIlBhcmVudFN0eWxlIjpudWxsfSwiUGFyZW50U3R5bGUiOm51bGx9LCJEYXRlU3R5bGUiOnsiJGlkIjoiNDgiLCJGb250U2V0dGluZ3MiOnsiJGlkIjoiNDkiLCJGb250U2l6ZSI6MTAsIkZvbnROYW1lIjoiQ2FsaWJyaSIsIklzQm9sZCI6ZmFsc2UsIklzSXRhbGljIjpmYWxzZSwiSXNVbmRlcmxpbmVkIjpmYWxzZSwiUGFyZW50U3R5bGUiOm51bGx9LCJBdXRvU2l6ZSI6MCwiRm9yZWdyb3VuZCI6eyIkaWQiOiI1MCIsIkNvbG9yIjp7IiRpZCI6IjUxIiwiQSI6MjU1LCJSIjo2OCwiRyI6ODQsIkIiOjEwNn19LCJNYXhXaWR0aCI6MjAwLjAsIk1heEhlaWdodCI6IkluZmluaXR5IiwiU21hcnRGb3JlZ3JvdW5kSXNBY3RpdmUiOmZhbHNlLCJIb3Jpem9udGFsQWxpZ25tZW50IjoxLCJWZXJ0aWNhbEFsaWdubWVudCI6MCwiU21hcnRGb3JlZ3JvdW5kIjpudWxsLCJCYWNrZ3JvdW5kRmlsbFR5cGUiOjAsIk1hcmdpbiI6eyIkaWQiOiI1MiIsIlRvcCI6MC4wLCJMZWZ0IjowLjAsIlJpZ2h0IjowLjAsIkJvdHRvbSI6MC4wfSwiUGFkZGluZyI6eyIkaWQiOiI1MyIsIlRvcCI6MC4wLCJMZWZ0IjowLjAsIlJpZ2h0IjowLjAsIkJvdHRvbSI6MC4wfSwiQmFja2dyb3VuZCI6eyIkaWQiOiI1NCIsIkNvbG9yIjp7IiRpZCI6IjU1IiwiQSI6MCwiUiI6MjU1LCJHIjoyNTUsIkIiOjI1NX19LCJJc1Zpc2libGUiOnRydWUsIldpZHRoIjowLjAsIkhlaWdodCI6MC4wLCJCb3JkZXJTdHlsZSI6eyIkaWQiOiI1NiIsIkxpbmVDb2xvciI6bnVsbCwiTGluZVdlaWdodCI6MC4wLCJMaW5lVHlwZSI6MCwiUGFyZW50U3R5bGUiOm51bGx9LCJQYXJlbnRTdHlsZSI6bnVsbH0sIkRhdGVGb3JtYXQiOnsiJGlkIjoiNTciLCJGb3JtYXRTdHJpbmciOiJNTU0gZCIsIlNlcGFyYXRvciI6Ii8iLCJVc2VJbnRlcm5hdGlvbmFsRGF0ZUZvcm1hdCI6ZmFsc2UsIkRhdGVJc1Zpc2libGUiOnRydWUsIlRpbWVJc1Zpc2libGUiOmZhbHNlLCJIb3VyRGlnaXRzIjoxLCJBbVBtRGVzaWduYXRvciI6MiwiVHJpbTAwTWludXRlcyI6ZmFsc2UsIkxhc3RLbm93blZpc2liaWxpdHlTdGF0ZSI6bnVsbH0sIldlZWtOdW1iZXJpbmciOnsiJGlkIjoiNTgiLCJGb3JtYXQiOjAsIklzVmlzaWJsZSI6ZmFsc2UsIkxhc3RLbm93blZpc2liaWxpdHlTdGF0ZSI6ZmFsc2V9LCJJc1Zpc2libGUiOnRydWUsIlBhcmVudFN0eWxlIjpudWxsfSwiSW5kZXgiOjEsIlNtYXJ0RHVyYXRpb25BY3RpdmF0ZWQiOmZhbHNlLCJEYXRlRm9ybWF0Ijp7IiRyZWYiOiI1NyJ9LCJXZWVrTnVtYmVyaW5nIjp7IiRpZCI6IjU5IiwiRm9ybWF0IjowLCJJc1Zpc2libGUiOmZhbHNlLCJMYXN0S25vd25WaXNpYmlsaXR5U3RhdGUiOmZhbHNlfSwiSWQiOiIwMTk0YjRhYy04MGQzLTQ2NWEtODJmNi03NjE4NjYwNjM5ZTciLCJJbXBvcnRJZCI6bnVsbCwiVGl0bGUiOiJSZWdpc3RyYXRpb24gUGFnZSIsIk5vdGUiOm51bGwsIkh5cGVybGluayI6eyIkaWQiOiI2MCIsIkFkZHJlc3MiOiIiLCJTdWJBZGRyZXNzIjoiIn0sIklzQ2hhbmdlZCI6ZmFsc2UsIklzTmV3IjpmYWxzZX19XSwiX21pbGVzdG9uZXMiOltdLCJJZCI6IjAwMDAwMDAwLTAwMDAtMDAwMC0wMDAwLTAwMDAwMDAwMDAwMCIsIklzU2luZ2xlSXRlbVJvdyI6dHJ1ZX0seyIkaWQiOiI2MSIsIl90YXNrcyI6W3siJGlkIjoiNjIiLCJfYXR0YWNoZWRNaWxlc3RvbmVzIjpbXSwiVGFza0RlZmluaXRpb24iOnsiJGlkIjoiNjMiLCJHcm91cE5hbWUiOm51bGwsIlN0YXJ0RGF0ZSI6IjIwMjItMDUtMTZUMDA6MDA6MDBaIiwiRW5kRGF0ZSI6IjIwMjItMDUtMThUMjM6NTk6MDBaIiwiUGVyY2VudGFnZUNvbXBsZXRlIjpudWxsLCJTdHlsZSI6eyIkaWQiOiI2NCIsIlNoYXBlIjoyLCJTaGFwZVRoaWNrbmVzcyI6MSwiRHVyYXRpb25Gb3JtYXQiOjAsIkluY2x1ZGVOb25Xb3JraW5nRGF5c0luRHVyYXRpb24iOmZhbHNlLCJQZXJjZW50YWdlQ29tcGxldGVTdHlsZSI6eyIkaWQiOiI2NSIsIkZvbnRTZXR0aW5ncyI6eyIkaWQiOiI2NiIsIkZvbnRTaXplIjoxMCwiRm9udE5hbWUiOiJDYWxpYnJpIiwiSXNCb2xkIjpmYWxzZSwiSXNJdGFsaWMiOmZhbHNlLCJJc1VuZGVybGluZWQiOmZhbHNlLCJQYXJlbnRTdHlsZSI6bnVsbH0sIkF1dG9TaXplIjowLCJGb3JlZ3JvdW5kIjp7IiRyZWYiOiIxMCJ9LCJNYXhXaWR0aCI6MjAwLjAsIk1heEhlaWdodCI6IkluZmluaXR5IiwiU21hcnRGb3JlZ3JvdW5kSXNBY3RpdmUiOmZhbHNlLCJIb3Jpem9udGFsQWxpZ25tZW50IjowLCJWZXJ0aWNhbEFsaWdubWVudCI6MCwiU21hcnRGb3JlZ3JvdW5kIjpudWxsLCJCYWNrZ3JvdW5kRmlsbFR5cGUiOjAsIk1hcmdpbiI6eyIkcmVmIjoiMTIifSwiUGFkZGluZyI6eyIkcmVmIjoiMTMifSwiQmFja2dyb3VuZCI6eyIkcmVmIjoiMTQifSwiSXNWaXNpYmxlIjp0cnVlLCJXaWR0aCI6MC4wLCJIZWlnaHQiOjAuMCwiQm9yZGVyU3R5bGUiOnsiJGlkIjoiNjciLCJMaW5lQ29sb3IiOm51bGwsIkxpbmVXZWlnaHQiOjAuMCwiTGluZVR5cGUiOjAsIlBhcmVudFN0eWxlIjpudWxsfSwiUGFyZW50U3R5bGUiOm51bGx9LCJEdXJhdGlvblN0eWxlIjp7IiRpZCI6IjY4IiwiRm9udFNldHRpbmdzIjp7IiRpZCI6IjY5IiwiRm9udFNpemUiOjEwLCJGb250TmFtZSI6IkNhbGlicmkiLCJJc0JvbGQiOmZhbHNlLCJJc0l0YWxpYyI6ZmFsc2UsIklzVW5kZXJsaW5lZCI6ZmFsc2UsIlBhcmVudFN0eWxlIjpudWxsfSwiQXV0b1NpemUiOjAsIkZvcmVncm91bmQiOnsiJHJlZiI6IjE5In0sIk1heFdpZHRoIjoyMDAuMCwiTWF4SGVpZ2h0IjoiSW5maW5pdHkiLCJTbWFydEZvcmVncm91bmRJc0FjdGl2ZSI6ZmFsc2UsIkhvcml6b250YWxBbGlnbm1lbnQiOjAsIlZlcnRpY2FsQWxpZ25tZW50IjowLCJTbWFydEZvcmVncm91bmQiOm51bGwsIkJhY2tncm91bmRGaWxsVHlwZSI6MCwiTWFyZ2luIjp7IiRyZWYiOiIyMSJ9LCJQYWRkaW5nIjp7IiRyZWYiOiIyMiJ9LCJCYWNrZ3JvdW5kIjp7IiRyZWYiOiIyMyJ9LCJJc1Zpc2libGUiOnRydWUsIldpZHRoIjowLjAsIkhlaWdodCI6MC4wLCJCb3JkZXJTdHlsZSI6eyIkaWQiOiI3MCIsIkxpbmVDb2xvciI6bnVsbCwiTGluZVdlaWdodCI6MC4wLCJMaW5lVHlwZSI6MCwiUGFyZW50U3R5bGUiOm51bGx9LCJQYXJlbnRTdHlsZSI6bnVsbH0sIkhvcml6b250YWxDb25uZWN0b3JTdHlsZSI6eyIkaWQiOiI3MSIsIkxpbmVDb2xvciI6eyIkcmVmIjoiMjYifSwiTGluZVdlaWdodCI6MS4wLCJMaW5lVHlwZSI6MCwiUGFyZW50U3R5bGUiOm51bGx9LCJWZXJ0aWNhbENvbm5lY3RvclN0eWxlIjp7IiRpZCI6IjcyIiwiTGluZUNvbG9yIjp7IiRyZWYiOiIyOSJ9LCJMaW5lV2VpZ2h0IjowLjAsIkxpbmVUeXBlIjowLCJQYXJlbnRTdHlsZSI6bnVsbH0sIk1hcmdpbiI6bnVsbCwiU3RhcnREYXRlUG9zaXRpb24iOjMsIkVuZERhdGVQb3NpdGlvbiI6NCwiRGF0ZUlzVmlzaWJsZSI6dHJ1ZSwiVGl0bGVQb3NpdGlvbiI6MiwiRHVyYXRpb25Qb3NpdGlvbiI6NiwiUGVyY2VudGFnZUNvbXBsZXRlZFBvc2l0aW9uIjo2LCJTcGFjaW5nIjo1LCJJc0JlbG93VGltZWJhbmQiOnRydWUsIlBlcmNlbnRhZ2VDb21wbGV0ZVNoYXBlT3BhY2l0eSI6MzUsIlNoYXBlU3R5bGUiOnsiJGlkIjoiNzMiLCJNYXJnaW4iOnsiJHJlZiI6IjMyIn0sIlBhZGRpbmciOnsiJHJlZiI6IjMzIn0sIkJhY2tncm91bmQiOnsiJGlkIjoiNzQiLCJDb2xvciI6eyIkaWQiOiI3NSIsIkEiOjI1NSwiUiI6OTEsIkciOjE1NSwiQiI6MjEzfX0sIklzVmlzaWJsZSI6dHJ1ZSwiV2lkdGgiOjAuMCwiSGVpZ2h0IjoxNi4wLCJCb3JkZXJTdHlsZSI6eyIkaWQiOiI3NiIsIkxpbmVDb2xvciI6eyIkcmVmIjoiMzcifSwiTGluZVdlaWdodCI6MC4wLCJMaW5lVHlwZSI6MCwiUGFyZW50U3R5bGUiOm51bGx9LCJQYXJlbnRTdHlsZSI6bnVsbH0sIlRpdGxlU3R5bGUiOnsiJGlkIjoiNzciLCJGb250U2V0dGluZ3MiOnsiJGlkIjoiNzgiLCJGb250U2l6ZSI6MTEsIkZvbnROYW1lIjoiQ2FsaWJyaSIsIklzQm9sZCI6dHJ1ZSwiSXNJdGFsaWMiOmZhbHNlLCJJc1VuZGVybGluZWQiOmZhbHNlLCJQYXJlbnRTdHlsZSI6bnVsbH0sIkF1dG9TaXplIjowLCJGb3JlZ3JvdW5kIjp7IiRpZCI6Ijc5IiwiQ29sb3IiOnsiJGlkIjoiODAiLCJBIjoyNTUsIlIiOjAsIkciOjAsIkIiOjB9fSwiTWF4V2lkdGgiOjcyMC4wLCJNYXhIZWlnaHQiOiJJbmZpbml0eSIsIlNtYXJ0Rm9yZWdyb3VuZElzQWN0aXZlIjpmYWxzZSwiSG9yaXpvbnRhbEFsaWdubWVudCI6MSwiVmVydGljYWxBbGlnbm1lbnQiOjAsIlNtYXJ0Rm9yZWdyb3VuZCI6bnVsbCwiQmFja2dyb3VuZEZpbGxUeXBlIjowLCJNYXJnaW4iOnsiJHJlZiI6IjQzIn0sIlBhZGRpbmciOnsiJHJlZiI6IjQ0In0sIkJhY2tncm91bmQiOnsiJGlkIjoiODEiLCJDb2xvciI6eyIkaWQiOiI4MiIsIkEiOjAsIlIiOjI1NSwiRyI6MjU1LCJCIjoyNTV9fSwiSXNWaXNpYmxlIjp0cnVlLCJXaWR0aCI6MC4wLCJIZWlnaHQiOjAuMCwiQm9yZGVyU3R5bGUiOnsiJGlkIjoiODMiLCJMaW5lQ29sb3IiOm51bGwsIkxpbmVXZWlnaHQiOjAuMCwiTGluZVR5cGUiOjAsIlBhcmVudFN0eWxlIjpudWxsfSwiUGFyZW50U3R5bGUiOm51bGx9LCJEYXRlU3R5bGUiOnsiJGlkIjoiODQiLCJGb250U2V0dGluZ3MiOnsiJGlkIjoiODUiLCJGb250U2l6ZSI6MTAsIkZvbnROYW1lIjoiQ2FsaWJyaSIsIklzQm9sZCI6ZmFsc2UsIklzSXRhbGljIjpmYWxzZSwiSXNVbmRlcmxpbmVkIjpmYWxzZSwiUGFyZW50U3R5bGUiOm51bGx9LCJBdXRvU2l6ZSI6MCwiRm9yZWdyb3VuZCI6eyIkaWQiOiI4NiIsIkNvbG9yIjp7IiRpZCI6Ijg3IiwiQSI6MjU1LCJSIjo2OCwiRyI6ODQsIkIiOjEwNn19LCJNYXhXaWR0aCI6MjAwLjAsIk1heEhlaWdodCI6IkluZmluaXR5IiwiU21hcnRGb3JlZ3JvdW5kSXNBY3RpdmUiOmZhbHNlLCJIb3Jpem9udGFsQWxpZ25tZW50IjoxLCJWZXJ0aWNhbEFsaWdubWVudCI6MCwiU21hcnRGb3JlZ3JvdW5kIjpudWxsLCJCYWNrZ3JvdW5kRmlsbFR5cGUiOjAsIk1hcmdpbiI6eyIkcmVmIjoiNTIifSwiUGFkZGluZyI6eyIkcmVmIjoiNTMifSwiQmFja2dyb3VuZCI6eyIkaWQiOiI4OCIsIkNvbG9yIjp7IiRpZCI6Ijg5IiwiQSI6MCwiUiI6MjU1LCJHIjoyNTUsIkIiOjI1NX19LCJJc1Zpc2libGUiOnRydWUsIldpZHRoIjowLjAsIkhlaWdodCI6MC4wLCJCb3JkZXJTdHlsZSI6eyIkaWQiOiI5MCIsIkxpbmVDb2xvciI6bnVsbCwiTGluZVdlaWdodCI6MC4wLCJMaW5lVHlwZSI6MCwiUGFyZW50U3R5bGUiOm51bGx9LCJQYXJlbnRTdHlsZSI6bnVsbH0sIkRhdGVGb3JtYXQiOnsiJHJlZiI6IjU3In0sIldlZWtOdW1iZXJpbmciOnsiJGlkIjoiOTEiLCJGb3JtYXQiOjAsIklzVmlzaWJsZSI6ZmFsc2UsIkxhc3RLbm93blZpc2liaWxpdHlTdGF0ZSI6ZmFsc2V9LCJJc1Zpc2libGUiOnRydWUsIlBhcmVudFN0eWxlIjpudWxsfSwiSW5kZXgiOjIsIlNtYXJ0RHVyYXRpb25BY3RpdmF0ZWQiOmZhbHNlLCJEYXRlRm9ybWF0Ijp7IiRyZWYiOiI1NyJ9LCJXZWVrTnVtYmVyaW5nIjp7IiRpZCI6IjkyIiwiRm9ybWF0IjowLCJJc1Zpc2libGUiOmZhbHNlLCJMYXN0S25vd25WaXNpYmlsaXR5U3RhdGUiOmZhbHNlfSwiSWQiOiJjMjU5NGE2OC01MDg3LTQ2MTgtOWQxNS1mZWYxNjBmYjczOGQiLCJJbXBvcnRJZCI6bnVsbCwiVGl0bGUiOiJMb2dpbiBQYWdlIiwiTm90ZSI6bnVsbCwiSHlwZXJsaW5rIjp7IiRpZCI6IjkzIiwiQWRkcmVzcyI6IiIsIlN1YkFkZHJlc3MiOiIifSwiSXNDaGFuZ2VkIjpmYWxzZSwiSXNOZXciOmZhbHNlfX1dLCJfbWlsZXN0b25lcyI6W10sIklkIjoiMDAwMDAwMDAtMDAwMC0wMDAwLTAwMDAtMDAwMDAwMDAwMDAwIiwiSXNTaW5nbGVJdGVtUm93Ijp0cnVlfV0sIkluZGV4IjowLCJJZCI6ImE5NWFlMGE4LTgxYzAtNDdkYy1hYzM5LTMxZTZmNzIwMTYzNyIsIkhlYWRlclRleHQiOm51bGwsIklzRGVmYXVsdCI6dHJ1ZSwiU3R5bGUiOnsiJGlkIjoiOTQiLCJIZWFkZXJTdHlsZSI6eyIkaWQiOiI5NSIsIlRleHRTdHlsZSI6eyIkaWQiOiI5NiIsIkZvbnRTZXR0aW5ncyI6eyIkaWQiOiI5NyIsIkZvbnRTaXplIjoxMSwiRm9udE5hbWUiOiJDYWxpYnJpIiwiSXNCb2xkIjpmYWxzZSwiSXNJdGFsaWMiOmZhbHNlLCJJc1VuZGVybGluZWQiOmZhbHNlLCJQYXJlbnRTdHlsZSI6bnVsbH0sIkF1dG9TaXplIjoyLCJGb3JlZ3JvdW5kIjp7IiRpZCI6Ijk4IiwiQ29sb3IiOnsiJGlkIjoiOTkiLCJBIjoyNTUsIlIiOjAsIkciOjAsIkIiOjB9fSwiTWF4V2lkdGgiOjAuMCwiTWF4SGVpZ2h0IjoiSW5maW5pdHkiLCJTbWFydEZvcmVncm91bmRJc0FjdGl2ZSI6ZmFsc2UsIkhvcml6b250YWxBbGlnbm1lbnQiOjAsIlZlcnRpY2FsQWxpZ25tZW50IjowLCJTbWFydEZvcmVncm91bmQiOm51bGwsIkJhY2tncm91bmRGaWxsVHlwZSI6MCwiTWFyZ2luIjp7IiRpZCI6IjEwMCIsIlRvcCI6MC4wLCJMZWZ0IjowLjAsIlJpZ2h0IjowLjAsIkJvdHRvbSI6MC4wfSwiUGFkZGluZyI6eyIkaWQiOiIxMDEiLCJUb3AiOjAuMCwiTGVmdCI6MC4wLCJSaWdodCI6MC4wLCJCb3R0b20iOjAuMH0sIkJhY2tncm91bmQiOm51bGwsIklzVmlzaWJsZSI6dHJ1ZSwiV2lkdGgiOjAuMCwiSGVpZ2h0IjowLjAsIkJvcmRlclN0eWxlIjpudWxsLCJQYXJlbnRTdHlsZSI6bnVsbH0sIlJlY3RhbmdsZVN0eWxlIjp7IiRpZCI6IjEwMiIsIk1hcmdpbiI6eyIkaWQiOiIxMDMiLCJUb3AiOjAuMCwiTGVmdCI6MC4wLCJSaWdodCI6MC4wLCJCb3R0b20iOjAuMH0sIlBhZGRpbmciOnsiJGlkIjoiMTA0IiwiVG9wIjowLjAsIkxlZnQiOjAuMCwiUmlnaHQiOjAuMCwiQm90dG9tIjowLjB9LCJCYWNrZ3JvdW5kIjp7IiRpZCI6IjEwNSIsIkNvbG9yIjp7IiRpZCI6IjEwNiIsIkEiOjYzLCJSIjo5MSwiRyI6MTU1LCJCIjoyMTN9fSwiSXNWaXNpYmxlIjp0cnVlLCJXaWR0aCI6MC4wLCJIZWlnaHQiOjAuMCwiQm9yZGVyU3R5bGUiOnsiJGlkIjoiMTA3IiwiTGluZUNvbG9yIjp7IiRpZCI6IjEwOCIsIiR0eXBlIjoiTkxSRS5Db21tb24uRG9tLlNvbGlkQ29sb3JCcnVzaCwgTkxSRS5Db21tb24iLCJDb2xvciI6eyIkaWQiOiIxMDkiLCJBIjoyNTUsIlIiOjI1NSwiRyI6MCwiQiI6MH19LCJMaW5lV2VpZ2h0IjowLjAsIkxpbmVUeXBlIjowLCJQYXJlbnRTdHlsZSI6bnVsbH0sIlBhcmVudFN0eWxlIjpudWxsfSwiTWFyZ2luIjp7IiRpZCI6IjExMCIsIlRvcCI6MC4wLCJMZWZ0IjowLjAsIlJpZ2h0IjowLjAsIkJvdHRvbSI6MC4wfSwiUGFkZGluZyI6eyIkaWQiOiIxMTEiLCJUb3AiOjAuMCwiTGVmdCI6MC4wLCJSaWdodCI6MC4wLCJCb3R0b20iOjAuMH0sIkJhY2tncm91bmQiOm51bGwsIklzVmlzaWJsZSI6dHJ1ZSwiV2lkdGgiOjAuMCwiSGVpZ2h0IjowLjAsIkJvcmRlclN0eWxlIjpudWxsLCJQYXJlbnRTdHlsZSI6bnVsbH0sIkJhY2tncm91bmRTdHlsZSI6eyIkaWQiOiIxMTIiLCJNYXJnaW4iOnsiJGlkIjoiMTEzIiwiVG9wIjowLjAsIkxlZnQiOjAuMCwiUmlnaHQiOjAuMCwiQm90dG9tIjowLjB9LCJQYWRkaW5nIjp7IiRpZCI6IjExNCIsIlRvcCI6MC4wLCJMZWZ0IjowLjAsIlJpZ2h0IjowLjAsIkJvdHRvbSI6MC4wfSwiQmFja2dyb3VuZCI6eyIkaWQiOiIxMTUiLCJDb2xvciI6eyIkaWQiOiIxMTYiLCJBIjo1MSwiUiI6MTY1LCJHIjoxNjUsIkIiOjE2NX19LCJJc1Zpc2libGUiOnRydWUsIldpZHRoIjowLjAsIkhlaWdodCI6MC4wLCJCb3JkZXJTdHlsZSI6eyIkaWQiOiIxMTciLCJMaW5lQ29sb3IiOnsiJGlkIjoiMTE4IiwiJHR5cGUiOiJOTFJFLkNvbW1vbi5Eb20uU29saWRDb2xvckJydXNoLCBOTFJFLkNvbW1vbiIsIkNvbG9yIjp7IiRpZCI6IjExOSIsIkEiOjI1NSwiUiI6MjU1LCJHIjowLCJCIjowfX0sIkxpbmVXZWlnaHQiOjAuMCwiTGluZVR5cGUiOjAsIlBhcmVudFN0eWxlIjpudWxsfSwiUGFyZW50U3R5bGUiOm51bGx9LCJNYXJnaW4iOnsiJGlkIjoiMTIwIiwiVG9wIjowLjAsIkxlZnQiOjAuMCwiUmlnaHQiOjAuMCwiQm90dG9tIjowLjB9LCJQYWRkaW5nIjp7IiRpZCI6IjEyMSIsIlRvcCI6MC4wLCJMZWZ0IjowLjAsIlJpZ2h0IjowLjAsIkJvdHRvbSI6MC4wfSwiSXNWaXNpYmxlIjpmYWxzZSwiV2lkdGgiOjAuMCwiSGVpZ2h0IjowLjAsIkJvcmRlclN0eWxlIjpudWxsLCJQYXJlbnRTdHlsZSI6bnVsbH19XSwiSWQiOiI5M2IwYjA4Zi1mZTBiLTQ3NjMtYmY0ZC1mOTM4ZjM4ZGY3MTciLCJJbmRleCI6MCwiSGVhZGVyVGV4dCI6IkRldmVsb3BtZW50IENvbXBsZXRpb24iLCJTdHlsZSI6eyIkaWQiOiIxMjIiLCJIZWFkZXJTdHlsZSI6eyIkaWQiOiIxMjMiLCJUZXh0SXNWZXJ0aWNhbCI6ZmFsc2UsIlRleHRTdHlsZSI6eyIkaWQiOiIxMjQiLCJGb250U2V0dGluZ3MiOnsiJGlkIjoiMTI1IiwiRm9udFNpemUiOjEyLCJGb250TmFtZSI6IkNhbGlicmkiLCJJc0JvbGQiOmZhbHNlLCJJc0l0YWxpYyI6ZmFsc2UsIklzVW5kZXJsaW5lZCI6ZmFsc2UsIlBhcmVudFN0eWxlIjpudWxsfSwiQXV0b1NpemUiOjIsIkZvcmVncm91bmQiOnsiJGlkIjoiMTI2IiwiQ29sb3IiOnsiJGlkIjoiMTI3IiwiQSI6MjU1LCJSIjoyNTUsIkciOjI1NSwiQiI6MjU1fX0sIk1heFdpZHRoIjoxNjAuMCwiTWF4SGVpZ2h0IjoiSW5maW5pdHkiLCJTbWFydEZvcmVncm91bmRJc0FjdGl2ZSI6ZmFsc2UsIkhvcml6b250YWxBbGlnbm1lbnQiOjAsIlZlcnRpY2FsQWxpZ25tZW50IjowLCJTbWFydEZvcmVncm91bmQiOm51bGwsIkJhY2tncm91bmRGaWxsVHlwZSI6MCwiTWFyZ2luIjp7IiRpZCI6IjEyOCIsIlRvcCI6MC4wLCJMZWZ0IjowLjAsIlJpZ2h0IjowLjAsIkJvdHRvbSI6MC4wfSwiUGFkZGluZyI6eyIkaWQiOiIxMjkiLCJUb3AiOjAuMCwiTGVmdCI6MC4wLCJSaWdodCI6MC4wLCJCb3R0b20iOjAuMH0sIkJhY2tncm91bmQiOm51bGwsIklzVmlzaWJsZSI6dHJ1ZSwiV2lkdGgiOjAuMCwiSGVpZ2h0IjowLjAsIkJvcmRlclN0eWxlIjpudWxsLCJQYXJlbnRTdHlsZSI6bnVsbH0sIlJlY3RhbmdsZVN0eWxlIjp7IiRpZCI6IjEzMCIsIk1hcmdpbiI6eyIkaWQiOiIxMzEiLCJUb3AiOjAuMCwiTGVmdCI6MC4wLCJSaWdodCI6MC4wLCJCb3R0b20iOjAuMH0sIlBhZGRpbmciOnsiJGlkIjoiMTMyIiwiVG9wIjowLjAsIkxlZnQiOjAuMCwiUmlnaHQiOjAuMCwiQm90dG9tIjowLjB9LCJCYWNrZ3JvdW5kIjp7IiRpZCI6IjEzMyIsIkNvbG9yIjp7IiRpZCI6IjEzNCIsIkEiOjI1NSwiUiI6OTEsIkciOjE1NSwiQiI6MjEzfX0sIklzVmlzaWJsZSI6dHJ1ZSwiV2lkdGgiOjAuMCwiSGVpZ2h0IjowLjAsIkJvcmRlclN0eWxlIjp7IiRpZCI6IjEzNSIsIkxpbmVDb2xvciI6eyIkaWQiOiIxMzYiLCIkdHlwZSI6Ik5MUkUuQ29tbW9uLkRvbS5Tb2xpZENvbG9yQnJ1c2gsIE5MUkUuQ29tbW9uIiwiQ29sb3IiOnsiJGlkIjoiMTM3IiwiQSI6MjU1LCJSIjoyNTUsIkciOjAsIkIiOjB9fSwiTGluZVdlaWdodCI6MC4wLCJMaW5lVHlwZSI6MCwiUGFyZW50U3R5bGUiOm51bGx9LCJQYXJlbnRTdHlsZSI6bnVsbH0sIk1hcmdpbiI6eyIkaWQiOiIxMzgiLCJUb3AiOjAuMCwiTGVmdCI6MC4wLCJSaWdodCI6MC4wLCJCb3R0b20iOjAuMH0sIlBhZGRpbmciOnsiJGlkIjoiMTM5IiwiVG9wIjowLjAsIkxlZnQiOjAuMCwiUmlnaHQiOjAuMCwiQm90dG9tIjowLjB9LCJCYWNrZ3JvdW5kIjpudWxsLCJJc1Zpc2libGUiOnRydWUsIldpZHRoIjowLjAsIkhlaWdodCI6MC4wLCJCb3JkZXJTdHlsZSI6bnVsbCwiUGFyZW50U3R5bGUiOm51bGx9LCJCYWNrZ3JvdW5kU3R5bGUiOnsiJGlkIjoiMTQwIiwiTWFyZ2luIjp7IiRpZCI6IjE0MSIsIlRvcCI6MC4wLCJMZWZ0IjowLjAsIlJpZ2h0IjowLjAsIkJvdHRvbSI6MC4wfSwiUGFkZGluZyI6eyIkaWQiOiIxNDIiLCJUb3AiOjAuMCwiTGVmdCI6MC4wLCJSaWdodCI6MC4wLCJCb3R0b20iOjAuMH0sIkJhY2tncm91bmQiOnsiJGlkIjoiMTQzIiwiQ29sb3IiOnsiJGlkIjoiMTQ0IiwiQSI6NTEsIlIiOjE2NSwiRyI6MTY1LCJCIjoxNjV9fSwiSXNWaXNpYmxlIjp0cnVlLCJXaWR0aCI6MC4wLCJIZWlnaHQiOjAuMCwiQm9yZGVyU3R5bGUiOnsiJGlkIjoiMTQ1IiwiTGluZUNvbG9yIjp7IiRpZCI6IjE0NiIsIiR0eXBlIjoiTkxSRS5Db21tb24uRG9tLlNvbGlkQ29sb3JCcnVzaCwgTkxSRS5Db21tb24iLCJDb2xvciI6eyIkaWQiOiIxNDciLCJBIjoyNTUsIlIiOjI1NSwiRyI6MCwiQiI6MH19LCJMaW5lV2VpZ2h0IjowLjAsIkxpbmVUeXBlIjowLCJQYXJlbnRTdHlsZSI6bnVsbH0sIlBhcmVudFN0eWxlIjpudWxsfSwiSXNBYm92ZVRpbWViYW5kIjpmYWxzZSwiTWFyZ2luIjp7IiRpZCI6IjE0OCIsIlRvcCI6MC4wLCJMZWZ0IjowLjAsIlJpZ2h0IjowLjAsIkJvdHRvbSI6MC4wfSwiUGFkZGluZyI6eyIkaWQiOiIxNDkiLCJUb3AiOjAuMCwiTGVmdCI6MC4wLCJSaWdodCI6MC4wLCJCb3R0b20iOjAuMH0sIklzVmlzaWJsZSI6dHJ1ZSwiV2lkdGgiOjAuMCwiSGVpZ2h0IjowLjAsIkJvcmRlclN0eWxlIjp7IiRpZCI6IjE1MCIsIkxpbmVDb2xvciI6bnVsbCwiTGluZVdlaWdodCI6MC4wLCJMaW5lVHlwZSI6MCwiUGFyZW50U3R5bGUiOm51bGx9LCJQYXJlbnRTdHlsZSI6bnVsbH19LHsiJGlkIjoiMTUxIiwiX2FjdGl2aXRpZXMiOlt7IiRpZCI6IjE1MiIsIl9yb3dzIjpbeyIkaWQiOiIxNTMiLCJfdGFza3MiOlt7IiRpZCI6IjE1NCIsIl9hdHRhY2hlZE1pbGVzdG9uZXMiOltdLCJUYXNrRGVmaW5pdGlvbiI6eyIkaWQiOiIxNTUiLCJHcm91cE5hbWUiOm51bGwsIlN0YXJ0RGF0ZSI6IjIwMjItMDUtMTZUMDA6MDA6MDBaIiwiRW5kRGF0ZSI6IjIwMjItMDUtMThUMjM6NTk6MDBaIiwiUGVyY2VudGFnZUNvbXBsZXRlIjpudWxsLCJTdHlsZSI6eyIkaWQiOiIxNTYiLCJTaGFwZSI6MiwiU2hhcGVUaGlja25lc3MiOjEsIkR1cmF0aW9uRm9ybWF0IjowLCJJbmNsdWRlTm9uV29ya2luZ0RheXNJbkR1cmF0aW9uIjpmYWxzZSwiUGVyY2VudGFnZUNvbXBsZXRlU3R5bGUiOnsiJGlkIjoiMTU3IiwiRm9udFNldHRpbmdzIjp7IiRpZCI6IjE1OCIsIkZvbnRTaXplIjoxMCwiRm9udE5hbWUiOiJDYWxpYnJpIiwiSXNCb2xkIjpmYWxzZSwiSXNJdGFsaWMiOmZhbHNlLCJJc1VuZGVybGluZWQiOmZhbHNlLCJQYXJlbnRTdHlsZSI6bnVsbH0sIkF1dG9TaXplIjowLCJGb3JlZ3JvdW5kIjp7IiRyZWYiOiIxMCJ9LCJNYXhXaWR0aCI6MjAwLjAsIk1heEhlaWdodCI6IkluZmluaXR5IiwiU21hcnRGb3JlZ3JvdW5kSXNBY3RpdmUiOmZhbHNlLCJIb3Jpem9udGFsQWxpZ25tZW50IjowLCJWZXJ0aWNhbEFsaWdubWVudCI6MCwiU21hcnRGb3JlZ3JvdW5kIjpudWxsLCJCYWNrZ3JvdW5kRmlsbFR5cGUiOjAsIk1hcmdpbiI6eyIkcmVmIjoiMTIifSwiUGFkZGluZyI6eyIkcmVmIjoiMTMifSwiQmFja2dyb3VuZCI6eyIkcmVmIjoiMTQifSwiSXNWaXNpYmxlIjp0cnVlLCJXaWR0aCI6MC4wLCJIZWlnaHQiOjAuMCwiQm9yZGVyU3R5bGUiOnsiJGlkIjoiMTU5IiwiTGluZUNvbG9yIjpudWxsLCJMaW5lV2VpZ2h0IjowLjAsIkxpbmVUeXBlIjowLCJQYXJlbnRTdHlsZSI6bnVsbH0sIlBhcmVudFN0eWxlIjpudWxsfSwiRHVyYXRpb25TdHlsZSI6eyIkaWQiOiIxNjAiLCJGb250U2V0dGluZ3MiOnsiJGlkIjoiMTYxIiwiRm9udFNpemUiOjEwLCJGb250TmFtZSI6IkNhbGlicmkiLCJJc0JvbGQiOmZhbHNlLCJJc0l0YWxpYyI6ZmFsc2UsIklzVW5kZXJsaW5lZCI6ZmFsc2UsIlBhcmVudFN0eWxlIjpudWxsfSwiQXV0b1NpemUiOjAsIkZvcmVncm91bmQiOnsiJHJlZiI6IjE5In0sIk1heFdpZHRoIjoyMDAuMCwiTWF4SGVpZ2h0IjoiSW5maW5pdHkiLCJTbWFydEZvcmVncm91bmRJc0FjdGl2ZSI6ZmFsc2UsIkhvcml6b250YWxBbGlnbm1lbnQiOjAsIlZlcnRpY2FsQWxpZ25tZW50IjowLCJTbWFydEZvcmVncm91bmQiOm51bGwsIkJhY2tncm91bmRGaWxsVHlwZSI6MCwiTWFyZ2luIjp7IiRyZWYiOiIyMSJ9LCJQYWRkaW5nIjp7IiRyZWYiOiIyMiJ9LCJCYWNrZ3JvdW5kIjp7IiRyZWYiOiIyMyJ9LCJJc1Zpc2libGUiOnRydWUsIldpZHRoIjowLjAsIkhlaWdodCI6MC4wLCJCb3JkZXJTdHlsZSI6eyIkaWQiOiIxNjIiLCJMaW5lQ29sb3IiOm51bGwsIkxpbmVXZWlnaHQiOjAuMCwiTGluZVR5cGUiOjAsIlBhcmVudFN0eWxlIjpudWxsfSwiUGFyZW50U3R5bGUiOm51bGx9LCJIb3Jpem9udGFsQ29ubmVjdG9yU3R5bGUiOnsiJGlkIjoiMTYzIiwiTGluZUNvbG9yIjp7IiRyZWYiOiIyNiJ9LCJMaW5lV2VpZ2h0IjoxLjAsIkxpbmVUeXBlIjowLCJQYXJlbnRTdHlsZSI6bnVsbH0sIlZlcnRpY2FsQ29ubmVjdG9yU3R5bGUiOnsiJGlkIjoiMTY0IiwiTGluZUNvbG9yIjp7IiRyZWYiOiIyOSJ9LCJMaW5lV2VpZ2h0IjowLjAsIkxpbmVUeXBlIjowLCJQYXJlbnRTdHlsZSI6bnVsbH0sIk1hcmdpbiI6bnVsbCwiU3RhcnREYXRlUG9zaXRpb24iOjMsIkVuZERhdGVQb3NpdGlvbiI6NCwiRGF0ZUlzVmlzaWJsZSI6dHJ1ZSwiVGl0bGVQb3NpdGlvbiI6MiwiRHVyYXRpb25Qb3NpdGlvbiI6NiwiUGVyY2VudGFnZUNvbXBsZXRlZFBvc2l0aW9uIjo2LCJTcGFjaW5nIjo1LCJJc0JlbG93VGltZWJhbmQiOnRydWUsIlBlcmNlbnRhZ2VDb21wbGV0ZVNoYXBlT3BhY2l0eSI6MzUsIlNoYXBlU3R5bGUiOnsiJGlkIjoiMTY1IiwiTWFyZ2luIjp7IiRyZWYiOiIzMiJ9LCJQYWRkaW5nIjp7IiRyZWYiOiIzMyJ9LCJCYWNrZ3JvdW5kIjp7IiRpZCI6IjE2NiIsIkNvbG9yIjp7IiRpZCI6IjE2NyIsIkEiOjI1NSwiUiI6OTEsIkciOjE1NSwiQiI6MjEzfX0sIklzVmlzaWJsZSI6dHJ1ZSwiV2lkdGgiOjAuMCwiSGVpZ2h0IjoxNi4wLCJCb3JkZXJTdHlsZSI6eyIkaWQiOiIxNjgiLCJMaW5lQ29sb3IiOnsiJHJlZiI6IjM3In0sIkxpbmVXZWlnaHQiOjAuMCwiTGluZVR5cGUiOjAsIlBhcmVudFN0eWxlIjpudWxsfSwiUGFyZW50U3R5bGUiOm51bGx9LCJUaXRsZVN0eWxlIjp7IiRpZCI6IjE2OSIsIkZvbnRTZXR0aW5ncyI6eyIkaWQiOiIxNzAiLCJGb250U2l6ZSI6MTEsIkZvbnROYW1lIjoiQ2FsaWJyaSIsIklzQm9sZCI6dHJ1ZSwiSXNJdGFsaWMiOmZhbHNlLCJJc1VuZGVybGluZWQiOmZhbHNlLCJQYXJlbnRTdHlsZSI6bnVsbH0sIkF1dG9TaXplIjowLCJGb3JlZ3JvdW5kIjp7IiRpZCI6IjE3MSIsIkNvbG9yIjp7IiRpZCI6IjE3MiIsIkEiOjI1NSwiUiI6MCwiRyI6MCwiQiI6MH19LCJNYXhXaWR0aCI6NzIwLjAsIk1heEhlaWdodCI6IkluZmluaXR5IiwiU21hcnRGb3JlZ3JvdW5kSXNBY3RpdmUiOmZhbHNlLCJIb3Jpem9udGFsQWxpZ25tZW50IjoxLCJWZXJ0aWNhbEFsaWdubWVudCI6MCwiU21hcnRGb3JlZ3JvdW5kIjpudWxsLCJCYWNrZ3JvdW5kRmlsbFR5cGUiOjAsIk1hcmdpbiI6eyIkcmVmIjoiNDMifSwiUGFkZGluZyI6eyIkcmVmIjoiNDQifSwiQmFja2dyb3VuZCI6eyIkaWQiOiIxNzMiLCJDb2xvciI6eyIkaWQiOiIxNzQiLCJBIjowLCJSIjoyNTUsIkciOjI1NSwiQiI6MjU1fX0sIklzVmlzaWJsZSI6dHJ1ZSwiV2lkdGgiOjAuMCwiSGVpZ2h0IjowLjAsIkJvcmRlclN0eWxlIjp7IiRpZCI6IjE3NSIsIkxpbmVDb2xvciI6bnVsbCwiTGluZVdlaWdodCI6MC4wLCJMaW5lVHlwZSI6MCwiUGFyZW50U3R5bGUiOm51bGx9LCJQYXJlbnRTdHlsZSI6bnVsbH0sIkRhdGVTdHlsZSI6eyIkaWQiOiIxNzYiLCJGb250U2V0dGluZ3MiOnsiJGlkIjoiMTc3IiwiRm9udFNpemUiOjEwLCJGb250TmFtZSI6IkNhbGlicmkiLCJJc0JvbGQiOmZhbHNlLCJJc0l0YWxpYyI6ZmFsc2UsIklzVW5kZXJsaW5lZCI6ZmFsc2UsIlBhcmVudFN0eWxlIjpudWxsfSwiQXV0b1NpemUiOjAsIkZvcmVncm91bmQiOnsiJGlkIjoiMTc4IiwiQ29sb3IiOnsiJGlkIjoiMTc5IiwiQSI6MjU1LCJSIjo2OCwiRyI6ODQsIkIiOjEwNn19LCJNYXhXaWR0aCI6MjAwLjAsIk1heEhlaWdodCI6IkluZmluaXR5IiwiU21hcnRGb3JlZ3JvdW5kSXNBY3RpdmUiOmZhbHNlLCJIb3Jpem9udGFsQWxpZ25tZW50IjoxLCJWZXJ0aWNhbEFsaWdubWVudCI6MCwiU21hcnRGb3JlZ3JvdW5kIjpudWxsLCJCYWNrZ3JvdW5kRmlsbFR5cGUiOjAsIk1hcmdpbiI6eyIkcmVmIjoiNTIifSwiUGFkZGluZyI6eyIkcmVmIjoiNTMifSwiQmFja2dyb3VuZCI6eyIkaWQiOiIxODAiLCJDb2xvciI6eyIkaWQiOiIxODEiLCJBIjowLCJSIjoyNTUsIkciOjI1NSwiQiI6MjU1fX0sIklzVmlzaWJsZSI6dHJ1ZSwiV2lkdGgiOjAuMCwiSGVpZ2h0IjowLjAsIkJvcmRlclN0eWxlIjp7IiRpZCI6IjE4MiIsIkxpbmVDb2xvciI6bnVsbCwiTGluZVdlaWdodCI6MC4wLCJMaW5lVHlwZSI6MCwiUGFyZW50U3R5bGUiOm51bGx9LCJQYXJlbnRTdHlsZSI6bnVsbH0sIkRhdGVGb3JtYXQiOnsiJHJlZiI6IjU3In0sIldlZWtOdW1iZXJpbmciOnsiJGlkIjoiMTgzIiwiRm9ybWF0IjowLCJJc1Zpc2libGUiOmZhbHNlLCJMYXN0S25vd25WaXNpYmlsaXR5U3RhdGUiOmZhbHNlfSwiSXNWaXNpYmxlIjp0cnVlLCJQYXJlbnRTdHlsZSI6bnVsbH0sIkluZGV4Ijo0LCJTbWFydER1cmF0aW9uQWN0aXZhdGVkIjpmYWxzZSwiRGF0ZUZvcm1hdCI6eyIkcmVmIjoiNTcifSwiV2Vla051bWJlcmluZyI6eyIkaWQiOiIxODQiLCJGb3JtYXQiOjAsIklzVmlzaWJsZSI6ZmFsc2UsIkxhc3RLbm93blZpc2liaWxpdHlTdGF0ZSI6ZmFsc2V9LCJJZCI6ImUxNDA4MTIxLThkNGEtNDRhOC1hYmNlLTQ5ZTZmMWE3Mzc0NyIsIkltcG9ydElkIjpudWxsLCJUaXRsZSI6IkFkbWluIEhvbWUgUGFnZSIsIk5vdGUiOm51bGwsIkh5cGVybGluayI6eyIkaWQiOiIxODUiLCJBZGRyZXNzIjoiIiwiU3ViQWRkcmVzcyI6IiJ9LCJJc0NoYW5nZWQiOmZhbHNlLCJJc05ldyI6ZmFsc2V9fV0sIl9taWxlc3RvbmVzIjpbXSwiSWQiOiIwMDAwMDAwMC0wMDAwLTAwMDAtMDAwMC0wMDAwMDAwMDAwMDAiLCJJc1NpbmdsZUl0ZW1Sb3ciOnRydWV9LHsiJGlkIjoiMTg2IiwiX3Rhc2tzIjpbeyIkaWQiOiIxODciLCJfYXR0YWNoZWRNaWxlc3RvbmVzIjpbXSwiVGFza0RlZmluaXRpb24iOnsiJGlkIjoiMTg4IiwiR3JvdXBOYW1lIjpudWxsLCJTdGFydERhdGUiOiIyMDIyLTA1LTE3VDAwOjAwOjAwWiIsIkVuZERhdGUiOiIyMDIyLTA1LTE5VDIzOjU5OjAwWiIsIlBlcmNlbnRhZ2VDb21wbGV0ZSI6bnVsbCwiU3R5bGUiOnsiJGlkIjoiMTg5IiwiU2hhcGUiOjIsIlNoYXBlVGhpY2tuZXNzIjoxLCJEdXJhdGlvbkZvcm1hdCI6MCwiSW5jbHVkZU5vbldvcmtpbmdEYXlzSW5EdXJhdGlvbiI6ZmFsc2UsIlBlcmNlbnRhZ2VDb21wbGV0ZVN0eWxlIjp7IiRpZCI6IjE5MCIsIkZvbnRTZXR0aW5ncyI6eyIkaWQiOiIxOTEiLCJGb250U2l6ZSI6MTAsIkZvbnROYW1lIjoiQ2FsaWJyaSIsIklzQm9sZCI6ZmFsc2UsIklzSXRhbGljIjpmYWxzZSwiSXNVbmRlcmxpbmVkIjpmYWxzZSwiUGFyZW50U3R5bGUiOm51bGx9LCJBdXRvU2l6ZSI6MCwiRm9yZWdyb3VuZCI6eyIkcmVmIjoiMTAifSwiTWF4V2lkdGgiOjIwMC4wLCJNYXhIZWlnaHQiOiJJbmZpbml0eSIsIlNtYXJ0Rm9yZWdyb3VuZElzQWN0aXZlIjpmYWxzZSwiSG9yaXpvbnRhbEFsaWdubWVudCI6MCwiVmVydGljYWxBbGlnbm1lbnQiOjAsIlNtYXJ0Rm9yZWdyb3VuZCI6bnVsbCwiQmFja2dyb3VuZEZpbGxUeXBlIjowLCJNYXJnaW4iOnsiJHJlZiI6IjEyIn0sIlBhZGRpbmciOnsiJHJlZiI6IjEzIn0sIkJhY2tncm91bmQiOnsiJHJlZiI6IjE0In0sIklzVmlzaWJsZSI6dHJ1ZSwiV2lkdGgiOjAuMCwiSGVpZ2h0IjowLjAsIkJvcmRlclN0eWxlIjp7IiRpZCI6IjE5MiIsIkxpbmVDb2xvciI6bnVsbCwiTGluZVdlaWdodCI6MC4wLCJMaW5lVHlwZSI6MCwiUGFyZW50U3R5bGUiOm51bGx9LCJQYXJlbnRTdHlsZSI6bnVsbH0sIkR1cmF0aW9uU3R5bGUiOnsiJGlkIjoiMTkzIiwiRm9udFNldHRpbmdzIjp7IiRpZCI6IjE5NCIsIkZvbnRTaXplIjoxMCwiRm9udE5hbWUiOiJDYWxpYnJpIiwiSXNCb2xkIjpmYWxzZSwiSXNJdGFsaWMiOmZhbHNlLCJJc1VuZGVybGluZWQiOmZhbHNlLCJQYXJlbnRTdHlsZSI6bnVsbH0sIkF1dG9TaXplIjowLCJGb3JlZ3JvdW5kIjp7IiRyZWYiOiIxOSJ9LCJNYXhXaWR0aCI6MjAwLjAsIk1heEhlaWdodCI6IkluZmluaXR5IiwiU21hcnRGb3JlZ3JvdW5kSXNBY3RpdmUiOmZhbHNlLCJIb3Jpem9udGFsQWxpZ25tZW50IjowLCJWZXJ0aWNhbEFsaWdubWVudCI6MCwiU21hcnRGb3JlZ3JvdW5kIjpudWxsLCJCYWNrZ3JvdW5kRmlsbFR5cGUiOjAsIk1hcmdpbiI6eyIkcmVmIjoiMjEifSwiUGFkZGluZyI6eyIkcmVmIjoiMjIifSwiQmFja2dyb3VuZCI6eyIkcmVmIjoiMjMifSwiSXNWaXNpYmxlIjp0cnVlLCJXaWR0aCI6MC4wLCJIZWlnaHQiOjAuMCwiQm9yZGVyU3R5bGUiOnsiJGlkIjoiMTk1IiwiTGluZUNvbG9yIjpudWxsLCJMaW5lV2VpZ2h0IjowLjAsIkxpbmVUeXBlIjowLCJQYXJlbnRTdHlsZSI6bnVsbH0sIlBhcmVudFN0eWxlIjpudWxsfSwiSG9yaXpvbnRhbENvbm5lY3RvclN0eWxlIjp7IiRpZCI6IjE5NiIsIkxpbmVDb2xvciI6eyIkcmVmIjoiMjYifSwiTGluZVdlaWdodCI6MS4wLCJMaW5lVHlwZSI6MCwiUGFyZW50U3R5bGUiOm51bGx9LCJWZXJ0aWNhbENvbm5lY3RvclN0eWxlIjp7IiRpZCI6IjE5NyIsIkxpbmVDb2xvciI6eyIkcmVmIjoiMjkifSwiTGluZVdlaWdodCI6MC4wLCJMaW5lVHlwZSI6MCwiUGFyZW50U3R5bGUiOm51bGx9LCJNYXJnaW4iOm51bGwsIlN0YXJ0RGF0ZVBvc2l0aW9uIjozLCJFbmREYXRlUG9zaXRpb24iOjQsIkRhdGVJc1Zpc2libGUiOnRydWUsIlRpdGxlUG9zaXRpb24iOjIsIkR1cmF0aW9uUG9zaXRpb24iOjYsIlBlcmNlbnRhZ2VDb21wbGV0ZWRQb3NpdGlvbiI6NiwiU3BhY2luZyI6NSwiSXNCZWxvd1RpbWViYW5kIjp0cnVlLCJQZXJjZW50YWdlQ29tcGxldGVTaGFwZU9wYWNpdHkiOjM1LCJTaGFwZVN0eWxlIjp7IiRpZCI6IjE5OCIsIk1hcmdpbiI6eyIkcmVmIjoiMzIifSwiUGFkZGluZyI6eyIkcmVmIjoiMzMifSwiQmFja2dyb3VuZCI6eyIkaWQiOiIxOTkiLCJDb2xvciI6eyIkaWQiOiIyMDAiLCJBIjoyNTUsIlIiOjkxLCJHIjoxNTUsIkIiOjIxM319LCJJc1Zpc2libGUiOnRydWUsIldpZHRoIjowLjAsIkhlaWdodCI6MTYuMCwiQm9yZGVyU3R5bGUiOnsiJGlkIjoiMjAxIiwiTGluZUNvbG9yIjp7IiRyZWYiOiIzNyJ9LCJMaW5lV2VpZ2h0IjowLjAsIkxpbmVUeXBlIjowLCJQYXJlbnRTdHlsZSI6bnVsbH0sIlBhcmVudFN0eWxlIjpudWxsfSwiVGl0bGVTdHlsZSI6eyIkaWQiOiIyMDIiLCJGb250U2V0dGluZ3MiOnsiJGlkIjoiMjAzIiwiRm9udFNpemUiOjExLCJGb250TmFtZSI6IkNhbGlicmkiLCJJc0JvbGQiOnRydWUsIklzSXRhbGljIjpmYWxzZSwiSXNVbmRlcmxpbmVkIjpmYWxzZSwiUGFyZW50U3R5bGUiOm51bGx9LCJBdXRvU2l6ZSI6MCwiRm9yZWdyb3VuZCI6eyIkaWQiOiIyMDQiLCJDb2xvciI6eyIkaWQiOiIyMDUiLCJBIjoyNTUsIlIiOjAsIkciOjAsIkIiOjB9fSwiTWF4V2lkdGgiOjcyMC4wLCJNYXhIZWlnaHQiOiJJbmZpbml0eSIsIlNtYXJ0Rm9yZWdyb3VuZElzQWN0aXZlIjpmYWxzZSwiSG9yaXpvbnRhbEFsaWdubWVudCI6MSwiVmVydGljYWxBbGlnbm1lbnQiOjAsIlNtYXJ0Rm9yZWdyb3VuZCI6bnVsbCwiQmFja2dyb3VuZEZpbGxUeXBlIjowLCJNYXJnaW4iOnsiJHJlZiI6IjQzIn0sIlBhZGRpbmciOnsiJHJlZiI6IjQ0In0sIkJhY2tncm91bmQiOnsiJGlkIjoiMjA2IiwiQ29sb3IiOnsiJGlkIjoiMjA3IiwiQSI6MCwiUiI6MjU1LCJHIjoyNTUsIkIiOjI1NX19LCJJc1Zpc2libGUiOnRydWUsIldpZHRoIjowLjAsIkhlaWdodCI6MC4wLCJCb3JkZXJTdHlsZSI6eyIkaWQiOiIyMDgiLCJMaW5lQ29sb3IiOm51bGwsIkxpbmVXZWlnaHQiOjAuMCwiTGluZVR5cGUiOjAsIlBhcmVudFN0eWxlIjpudWxsfSwiUGFyZW50U3R5bGUiOm51bGx9LCJEYXRlU3R5bGUiOnsiJGlkIjoiMjA5IiwiRm9udFNldHRpbmdzIjp7IiRpZCI6IjIxMCIsIkZvbnRTaXplIjoxMCwiRm9udE5hbWUiOiJDYWxpYnJpIiwiSXNCb2xkIjpmYWxzZSwiSXNJdGFsaWMiOmZhbHNlLCJJc1VuZGVybGluZWQiOmZhbHNlLCJQYXJlbnRTdHlsZSI6bnVsbH0sIkF1dG9TaXplIjowLCJGb3JlZ3JvdW5kIjp7IiRpZCI6IjIxMSIsIkNvbG9yIjp7IiRpZCI6IjIxMiIsIkEiOjI1NSwiUiI6NjgsIkciOjg0LCJCIjoxMDZ9fSwiTWF4V2lkdGgiOjIwMC4wLCJNYXhIZWlnaHQiOiJJbmZpbml0eSIsIlNtYXJ0Rm9yZWdyb3VuZElzQWN0aXZlIjpmYWxzZSwiSG9yaXpvbnRhbEFsaWdubWVudCI6MSwiVmVydGljYWxBbGlnbm1lbnQiOjAsIlNtYXJ0Rm9yZWdyb3VuZCI6bnVsbCwiQmFja2dyb3VuZEZpbGxUeXBlIjowLCJNYXJnaW4iOnsiJHJlZiI6IjUyIn0sIlBhZGRpbmciOnsiJHJlZiI6IjUzIn0sIkJhY2tncm91bmQiOnsiJGlkIjoiMjEzIiwiQ29sb3IiOnsiJGlkIjoiMjE0IiwiQSI6MCwiUiI6MjU1LCJHIjoyNTUsIkIiOjI1NX19LCJJc1Zpc2libGUiOnRydWUsIldpZHRoIjowLjAsIkhlaWdodCI6MC4wLCJCb3JkZXJTdHlsZSI6eyIkaWQiOiIyMTUiLCJMaW5lQ29sb3IiOm51bGwsIkxpbmVXZWlnaHQiOjAuMCwiTGluZVR5cGUiOjAsIlBhcmVudFN0eWxlIjpudWxsfSwiUGFyZW50U3R5bGUiOm51bGx9LCJEYXRlRm9ybWF0Ijp7IiRyZWYiOiI1NyJ9LCJXZWVrTnVtYmVyaW5nIjp7IiRpZCI6IjIxNiIsIkZvcm1hdCI6MCwiSXNWaXNpYmxlIjpmYWxzZSwiTGFzdEtub3duVmlzaWJpbGl0eVN0YXRlIjpmYWxzZX0sIklzVmlzaWJsZSI6dHJ1ZSwiUGFyZW50U3R5bGUiOm51bGx9LCJJbmRleCI6NSwiU21hcnREdXJhdGlvbkFjdGl2YXRlZCI6ZmFsc2UsIkRhdGVGb3JtYXQiOnsiJHJlZiI6IjU3In0sIldlZWtOdW1iZXJpbmciOnsiJGlkIjoiMjE3IiwiRm9ybWF0IjowLCJJc1Zpc2libGUiOmZhbHNlLCJMYXN0S25vd25WaXNpYmlsaXR5U3RhdGUiOmZhbHNlfSwiSWQiOiIwZDQwMGEwMi0wMmIwLTQyNjQtYjUyZi0xMTA4MWVlZjZlYTAiLCJJbXBvcnRJZCI6bnVsbCwiVGl0bGUiOiJBZGQgQ2FyIiwiTm90ZSI6bnVsbCwiSHlwZXJsaW5rIjp7IiRpZCI6IjIxOCIsIkFkZHJlc3MiOiIiLCJTdWJBZGRyZXNzIjoiIn0sIklzQ2hhbmdlZCI6ZmFsc2UsIklzTmV3IjpmYWxzZX19XSwiX21pbGVzdG9uZXMiOltdLCJJZCI6IjAwMDAwMDAwLTAwMDAtMDAwMC0wMDAwLTAwMDAwMDAwMDAwMCIsIklzU2luZ2xlSXRlbVJvdyI6dHJ1ZX0seyIkaWQiOiIyMTkiLCJfdGFza3MiOlt7IiRpZCI6IjIyMCIsIl9hdHRhY2hlZE1pbGVzdG9uZXMiOltdLCJUYXNrRGVmaW5pdGlvbiI6eyIkaWQiOiIyMjEiLCJHcm91cE5hbWUiOm51bGwsIlN0YXJ0RGF0ZSI6IjIwMjItMDUtMTdUMDA6MDA6MDBaIiwiRW5kRGF0ZSI6IjIwMjItMDUtMThUMjM6NTk6MDBaIiwiUGVyY2VudGFnZUNvbXBsZXRlIjpudWxsLCJTdHlsZSI6eyIkaWQiOiIyMjIiLCJTaGFwZSI6MiwiU2hhcGVUaGlja25lc3MiOjEsIkR1cmF0aW9uRm9ybWF0IjowLCJJbmNsdWRlTm9uV29ya2luZ0RheXNJbkR1cmF0aW9uIjpmYWxzZSwiUGVyY2VudGFnZUNvbXBsZXRlU3R5bGUiOnsiJGlkIjoiMjIzIiwiRm9udFNldHRpbmdzIjp7IiRpZCI6IjIyNCIsIkZvbnRTaXplIjoxMCwiRm9udE5hbWUiOiJDYWxpYnJpIiwiSXNCb2xkIjpmYWxzZSwiSXNJdGFsaWMiOmZhbHNlLCJJc1VuZGVybGluZWQiOmZhbHNlLCJQYXJlbnRTdHlsZSI6bnVsbH0sIkF1dG9TaXplIjowLCJGb3JlZ3JvdW5kIjp7IiRyZWYiOiIxMCJ9LCJNYXhXaWR0aCI6MjAwLjAsIk1heEhlaWdodCI6IkluZmluaXR5IiwiU21hcnRGb3JlZ3JvdW5kSXNBY3RpdmUiOmZhbHNlLCJIb3Jpem9udGFsQWxpZ25tZW50IjowLCJWZXJ0aWNhbEFsaWdubWVudCI6MCwiU21hcnRGb3JlZ3JvdW5kIjpudWxsLCJCYWNrZ3JvdW5kRmlsbFR5cGUiOjAsIk1hcmdpbiI6eyIkcmVmIjoiMTIifSwiUGFkZGluZyI6eyIkcmVmIjoiMTMifSwiQmFja2dyb3VuZCI6eyIkcmVmIjoiMTQifSwiSXNWaXNpYmxlIjp0cnVlLCJXaWR0aCI6MC4wLCJIZWlnaHQiOjAuMCwiQm9yZGVyU3R5bGUiOnsiJGlkIjoiMjI1IiwiTGluZUNvbG9yIjpudWxsLCJMaW5lV2VpZ2h0IjowLjAsIkxpbmVUeXBlIjowLCJQYXJlbnRTdHlsZSI6bnVsbH0sIlBhcmVudFN0eWxlIjpudWxsfSwiRHVyYXRpb25TdHlsZSI6eyIkaWQiOiIyMjYiLCJGb250U2V0dGluZ3MiOnsiJGlkIjoiMjI3IiwiRm9udFNpemUiOjEwLCJGb250TmFtZSI6IkNhbGlicmkiLCJJc0JvbGQiOmZhbHNlLCJJc0l0YWxpYyI6ZmFsc2UsIklzVW5kZXJsaW5lZCI6ZmFsc2UsIlBhcmVudFN0eWxlIjpudWxsfSwiQXV0b1NpemUiOjAsIkZvcmVncm91bmQiOnsiJHJlZiI6IjE5In0sIk1heFdpZHRoIjoyMDAuMCwiTWF4SGVpZ2h0IjoiSW5maW5pdHkiLCJTbWFydEZvcmVncm91bmRJc0FjdGl2ZSI6ZmFsc2UsIkhvcml6b250YWxBbGlnbm1lbnQiOjAsIlZlcnRpY2FsQWxpZ25tZW50IjowLCJTbWFydEZvcmVncm91bmQiOm51bGwsIkJhY2tncm91bmRGaWxsVHlwZSI6MCwiTWFyZ2luIjp7IiRyZWYiOiIyMSJ9LCJQYWRkaW5nIjp7IiRyZWYiOiIyMiJ9LCJCYWNrZ3JvdW5kIjp7IiRyZWYiOiIyMyJ9LCJJc1Zpc2libGUiOnRydWUsIldpZHRoIjowLjAsIkhlaWdodCI6MC4wLCJCb3JkZXJTdHlsZSI6eyIkaWQiOiIyMjgiLCJMaW5lQ29sb3IiOm51bGwsIkxpbmVXZWlnaHQiOjAuMCwiTGluZVR5cGUiOjAsIlBhcmVudFN0eWxlIjpudWxsfSwiUGFyZW50U3R5bGUiOm51bGx9LCJIb3Jpem9udGFsQ29ubmVjdG9yU3R5bGUiOnsiJGlkIjoiMjI5IiwiTGluZUNvbG9yIjp7IiRyZWYiOiIyNiJ9LCJMaW5lV2VpZ2h0IjoxLjAsIkxpbmVUeXBlIjowLCJQYXJlbnRTdHlsZSI6bnVsbH0sIlZlcnRpY2FsQ29ubmVjdG9yU3R5bGUiOnsiJGlkIjoiMjMwIiwiTGluZUNvbG9yIjp7IiRyZWYiOiIyOSJ9LCJMaW5lV2VpZ2h0IjowLjAsIkxpbmVUeXBlIjowLCJQYXJlbnRTdHlsZSI6bnVsbH0sIk1hcmdpbiI6bnVsbCwiU3RhcnREYXRlUG9zaXRpb24iOjMsIkVuZERhdGVQb3NpdGlvbiI6NCwiRGF0ZUlzVmlzaWJsZSI6dHJ1ZSwiVGl0bGVQb3NpdGlvbiI6MiwiRHVyYXRpb25Qb3NpdGlvbiI6NiwiUGVyY2VudGFnZUNvbXBsZXRlZFBvc2l0aW9uIjo2LCJTcGFjaW5nIjo1LCJJc0JlbG93VGltZWJhbmQiOnRydWUsIlBlcmNlbnRhZ2VDb21wbGV0ZVNoYXBlT3BhY2l0eSI6MzUsIlNoYXBlU3R5bGUiOnsiJGlkIjoiMjMxIiwiTWFyZ2luIjp7IiRyZWYiOiIzMiJ9LCJQYWRkaW5nIjp7IiRyZWYiOiIzMyJ9LCJCYWNrZ3JvdW5kIjp7IiRpZCI6IjIzMiIsIkNvbG9yIjp7IiRpZCI6IjIzMyIsIkEiOjI1NSwiUiI6OTEsIkciOjE1NSwiQiI6MjEzfX0sIklzVmlzaWJsZSI6dHJ1ZSwiV2lkdGgiOjAuMCwiSGVpZ2h0IjoxNi4wLCJCb3JkZXJTdHlsZSI6eyIkaWQiOiIyMzQiLCJMaW5lQ29sb3IiOnsiJHJlZiI6IjM3In0sIkxpbmVXZWlnaHQiOjAuMCwiTGluZVR5cGUiOjAsIlBhcmVudFN0eWxlIjpudWxsfSwiUGFyZW50U3R5bGUiOm51bGx9LCJUaXRsZVN0eWxlIjp7IiRpZCI6IjIzNSIsIkZvbnRTZXR0aW5ncyI6eyIkaWQiOiIyMzYiLCJGb250U2l6ZSI6MTEsIkZvbnROYW1lIjoiQ2FsaWJyaSIsIklzQm9sZCI6dHJ1ZSwiSXNJdGFsaWMiOmZhbHNlLCJJc1VuZGVybGluZWQiOmZhbHNlLCJQYXJlbnRTdHlsZSI6bnVsbH0sIkF1dG9TaXplIjowLCJGb3JlZ3JvdW5kIjp7IiRpZCI6IjIzNyIsIkNvbG9yIjp7IiRpZCI6IjIzOCIsIkEiOjI1NSwiUiI6MCwiRyI6MCwiQiI6MH19LCJNYXhXaWR0aCI6NzIwLjAsIk1heEhlaWdodCI6IkluZmluaXR5IiwiU21hcnRGb3JlZ3JvdW5kSXNBY3RpdmUiOmZhbHNlLCJIb3Jpem9udGFsQWxpZ25tZW50IjoxLCJWZXJ0aWNhbEFsaWdubWVudCI6MCwiU21hcnRGb3JlZ3JvdW5kIjpudWxsLCJCYWNrZ3JvdW5kRmlsbFR5cGUiOjAsIk1hcmdpbiI6eyIkcmVmIjoiNDMifSwiUGFkZGluZyI6eyIkcmVmIjoiNDQifSwiQmFja2dyb3VuZCI6eyIkaWQiOiIyMzkiLCJDb2xvciI6eyIkaWQiOiIyNDAiLCJBIjowLCJSIjoyNTUsIkciOjI1NSwiQiI6MjU1fX0sIklzVmlzaWJsZSI6dHJ1ZSwiV2lkdGgiOjAuMCwiSGVpZ2h0IjowLjAsIkJvcmRlclN0eWxlIjp7IiRpZCI6IjI0MSIsIkxpbmVDb2xvciI6bnVsbCwiTGluZVdlaWdodCI6MC4wLCJMaW5lVHlwZSI6MCwiUGFyZW50U3R5bGUiOm51bGx9LCJQYXJlbnRTdHlsZSI6bnVsbH0sIkRhdGVTdHlsZSI6eyIkaWQiOiIyNDIiLCJGb250U2V0dGluZ3MiOnsiJGlkIjoiMjQzIiwiRm9udFNpemUiOjEwLCJGb250TmFtZSI6IkNhbGlicmkiLCJJc0JvbGQiOmZhbHNlLCJJc0l0YWxpYyI6ZmFsc2UsIklzVW5kZXJsaW5lZCI6ZmFsc2UsIlBhcmVudFN0eWxlIjpudWxsfSwiQXV0b1NpemUiOjAsIkZvcmVncm91bmQiOnsiJGlkIjoiMjQ0IiwiQ29sb3IiOnsiJGlkIjoiMjQ1IiwiQSI6MjU1LCJSIjo2OCwiRyI6ODQsIkIiOjEwNn19LCJNYXhXaWR0aCI6MjAwLjAsIk1heEhlaWdodCI6IkluZmluaXR5IiwiU21hcnRGb3JlZ3JvdW5kSXNBY3RpdmUiOmZhbHNlLCJIb3Jpem9udGFsQWxpZ25tZW50IjoxLCJWZXJ0aWNhbEFsaWdubWVudCI6MCwiU21hcnRGb3JlZ3JvdW5kIjpudWxsLCJCYWNrZ3JvdW5kRmlsbFR5cGUiOjAsIk1hcmdpbiI6eyIkcmVmIjoiNTIifSwiUGFkZGluZyI6eyIkcmVmIjoiNTMifSwiQmFja2dyb3VuZCI6eyIkaWQiOiIyNDYiLCJDb2xvciI6eyIkaWQiOiIyNDciLCJBIjowLCJSIjoyNTUsIkciOjI1NSwiQiI6MjU1fX0sIklzVmlzaWJsZSI6dHJ1ZSwiV2lkdGgiOjAuMCwiSGVpZ2h0IjowLjAsIkJvcmRlclN0eWxlIjp7IiRpZCI6IjI0OCIsIkxpbmVDb2xvciI6bnVsbCwiTGluZVdlaWdodCI6MC4wLCJMaW5lVHlwZSI6MCwiUGFyZW50U3R5bGUiOm51bGx9LCJQYXJlbnRTdHlsZSI6bnVsbH0sIkRhdGVGb3JtYXQiOnsiJHJlZiI6IjU3In0sIldlZWtOdW1iZXJpbmciOnsiJGlkIjoiMjQ5IiwiRm9ybWF0IjowLCJJc1Zpc2libGUiOmZhbHNlLCJMYXN0S25vd25WaXNpYmlsaXR5U3RhdGUiOmZhbHNlfSwiSXNWaXNpYmxlIjp0cnVlLCJQYXJlbnRTdHlsZSI6bnVsbH0sIkluZGV4Ijo2LCJTbWFydER1cmF0aW9uQWN0aXZhdGVkIjpmYWxzZSwiRGF0ZUZvcm1hdCI6eyIkcmVmIjoiNTcifSwiV2Vla051bWJlcmluZyI6eyIkaWQiOiIyNTAiLCJGb3JtYXQiOjAsIklzVmlzaWJsZSI6ZmFsc2UsIkxhc3RLbm93blZpc2liaWxpdHlTdGF0ZSI6ZmFsc2V9LCJJZCI6IjFjYTEzY2E1LWE5NWMtNDkzNy1iNmRhLTMyMTQ5MTZiMzBiYSIsIkltcG9ydElkIjpudWxsLCJUaXRsZSI6IkRlbGV0ZSBDYXIiLCJOb3RlIjpudWxsLCJIeXBlcmxpbmsiOnsiJGlkIjoiMjUxIiwiQWRkcmVzcyI6IiIsIlN1YkFkZHJlc3MiOiIifSwiSXNDaGFuZ2VkIjpmYWxzZSwiSXNOZXciOmZhbHNlfX1dLCJfbWlsZXN0b25lcyI6W10sIklkIjoiMDAwMDAwMDAtMDAwMC0wMDAwLTAwMDAtMDAwMDAwMDAwMDAwIiwiSXNTaW5nbGVJdGVtUm93Ijp0cnVlfSx7IiRpZCI6IjI1MiIsIl90YXNrcyI6W3siJGlkIjoiMjUzIiwiX2F0dGFjaGVkTWlsZXN0b25lcyI6W10sIlRhc2tEZWZpbml0aW9uIjp7IiRpZCI6IjI1NCIsIkdyb3VwTmFtZSI6bnVsbCwiU3RhcnREYXRlIjoiMjAyMi0wNS0xOFQwMDowMDowMFoiLCJFbmREYXRlIjoiMjAyMi0wNS0xOVQyMzo1OTowMFoiLCJQZXJjZW50YWdlQ29tcGxldGUiOm51bGwsIlN0eWxlIjp7IiRpZCI6IjI1NSIsIlNoYXBlIjoyLCJTaGFwZVRoaWNrbmVzcyI6MSwiRHVyYXRpb25Gb3JtYXQiOjAsIkluY2x1ZGVOb25Xb3JraW5nRGF5c0luRHVyYXRpb24iOmZhbHNlLCJQZXJjZW50YWdlQ29tcGxldGVTdHlsZSI6eyIkaWQiOiIyNTYiLCJGb250U2V0dGluZ3MiOnsiJGlkIjoiMjU3IiwiRm9udFNpemUiOjEwLCJGb250TmFtZSI6IkNhbGlicmkiLCJJc0JvbGQiOmZhbHNlLCJJc0l0YWxpYyI6ZmFsc2UsIklzVW5kZXJsaW5lZCI6ZmFsc2UsIlBhcmVudFN0eWxlIjpudWxsfSwiQXV0b1NpemUiOjAsIkZvcmVncm91bmQiOnsiJHJlZiI6IjEwIn0sIk1heFdpZHRoIjoyMDAuMCwiTWF4SGVpZ2h0IjoiSW5maW5pdHkiLCJTbWFydEZvcmVncm91bmRJc0FjdGl2ZSI6ZmFsc2UsIkhvcml6b250YWxBbGlnbm1lbnQiOjAsIlZlcnRpY2FsQWxpZ25tZW50IjowLCJTbWFydEZvcmVncm91bmQiOm51bGwsIkJhY2tncm91bmRGaWxsVHlwZSI6MCwiTWFyZ2luIjp7IiRyZWYiOiIxMiJ9LCJQYWRkaW5nIjp7IiRyZWYiOiIxMyJ9LCJCYWNrZ3JvdW5kIjp7IiRyZWYiOiIxNCJ9LCJJc1Zpc2libGUiOnRydWUsIldpZHRoIjowLjAsIkhlaWdodCI6MC4wLCJCb3JkZXJTdHlsZSI6eyIkaWQiOiIyNTgiLCJMaW5lQ29sb3IiOm51bGwsIkxpbmVXZWlnaHQiOjAuMCwiTGluZVR5cGUiOjAsIlBhcmVudFN0eWxlIjpudWxsfSwiUGFyZW50U3R5bGUiOm51bGx9LCJEdXJhdGlvblN0eWxlIjp7IiRpZCI6IjI1OSIsIkZvbnRTZXR0aW5ncyI6eyIkaWQiOiIyNjAiLCJGb250U2l6ZSI6MTAsIkZvbnROYW1lIjoiQ2FsaWJyaSIsIklzQm9sZCI6ZmFsc2UsIklzSXRhbGljIjpmYWxzZSwiSXNVbmRlcmxpbmVkIjpmYWxzZSwiUGFyZW50U3R5bGUiOm51bGx9LCJBdXRvU2l6ZSI6MCwiRm9yZWdyb3VuZCI6eyIkcmVmIjoiMTkifSwiTWF4V2lkdGgiOjIwMC4wLCJNYXhIZWlnaHQiOiJJbmZpbml0eSIsIlNtYXJ0Rm9yZWdyb3VuZElzQWN0aXZlIjpmYWxzZSwiSG9yaXpvbnRhbEFsaWdubWVudCI6MCwiVmVydGljYWxBbGlnbm1lbnQiOjAsIlNtYXJ0Rm9yZWdyb3VuZCI6bnVsbCwiQmFja2dyb3VuZEZpbGxUeXBlIjowLCJNYXJnaW4iOnsiJHJlZiI6IjIxIn0sIlBhZGRpbmciOnsiJHJlZiI6IjIyIn0sIkJhY2tncm91bmQiOnsiJHJlZiI6IjIzIn0sIklzVmlzaWJsZSI6dHJ1ZSwiV2lkdGgiOjAuMCwiSGVpZ2h0IjowLjAsIkJvcmRlclN0eWxlIjp7IiRpZCI6IjI2MSIsIkxpbmVDb2xvciI6bnVsbCwiTGluZVdlaWdodCI6MC4wLCJMaW5lVHlwZSI6MCwiUGFyZW50U3R5bGUiOm51bGx9LCJQYXJlbnRTdHlsZSI6bnVsbH0sIkhvcml6b250YWxDb25uZWN0b3JTdHlsZSI6eyIkaWQiOiIyNjIiLCJMaW5lQ29sb3IiOnsiJHJlZiI6IjI2In0sIkxpbmVXZWlnaHQiOjEuMCwiTGluZVR5cGUiOjAsIlBhcmVudFN0eWxlIjpudWxsfSwiVmVydGljYWxDb25uZWN0b3JTdHlsZSI6eyIkaWQiOiIyNjMiLCJMaW5lQ29sb3IiOnsiJHJlZiI6IjI5In0sIkxpbmVXZWlnaHQiOjAuMCwiTGluZVR5cGUiOjAsIlBhcmVudFN0eWxlIjpudWxsfSwiTWFyZ2luIjpudWxsLCJTdGFydERhdGVQb3NpdGlvbiI6MywiRW5kRGF0ZVBvc2l0aW9uIjo0LCJEYXRlSXNWaXNpYmxlIjp0cnVlLCJUaXRsZVBvc2l0aW9uIjoyLCJEdXJhdGlvblBvc2l0aW9uIjo2LCJQZXJjZW50YWdlQ29tcGxldGVkUG9zaXRpb24iOjYsIlNwYWNpbmciOjUsIklzQmVsb3dUaW1lYmFuZCI6dHJ1ZSwiUGVyY2VudGFnZUNvbXBsZXRlU2hhcGVPcGFjaXR5IjozNSwiU2hhcGVTdHlsZSI6eyIkaWQiOiIyNjQiLCJNYXJnaW4iOnsiJHJlZiI6IjMyIn0sIlBhZGRpbmciOnsiJHJlZiI6IjMzIn0sIkJhY2tncm91bmQiOnsiJGlkIjoiMjY1IiwiQ29sb3IiOnsiJGlkIjoiMjY2IiwiQSI6MjU1LCJSIjo5MSwiRyI6MTU1LCJCIjoyMTN9fSwiSXNWaXNpYmxlIjp0cnVlLCJXaWR0aCI6MC4wLCJIZWlnaHQiOjE2LjAsIkJvcmRlclN0eWxlIjp7IiRpZCI6IjI2NyIsIkxpbmVDb2xvciI6eyIkcmVmIjoiMzcifSwiTGluZVdlaWdodCI6MC4wLCJMaW5lVHlwZSI6MCwiUGFyZW50U3R5bGUiOm51bGx9LCJQYXJlbnRTdHlsZSI6bnVsbH0sIlRpdGxlU3R5bGUiOnsiJGlkIjoiMjY4IiwiRm9udFNldHRpbmdzIjp7IiRpZCI6IjI2OSIsIkZvbnRTaXplIjoxMSwiRm9udE5hbWUiOiJDYWxpYnJpIiwiSXNCb2xkIjp0cnVlLCJJc0l0YWxpYyI6ZmFsc2UsIklzVW5kZXJsaW5lZCI6ZmFsc2UsIlBhcmVudFN0eWxlIjpudWxsfSwiQXV0b1NpemUiOjAsIkZvcmVncm91bmQiOnsiJGlkIjoiMjcwIiwiQ29sb3IiOnsiJGlkIjoiMjcxIiwiQSI6MjU1LCJSIjowLCJHIjowLCJCIjowfX0sIk1heFdpZHRoIjo3MjAuMCwiTWF4SGVpZ2h0IjoiSW5maW5pdHkiLCJTbWFydEZvcmVncm91bmRJc0FjdGl2ZSI6ZmFsc2UsIkhvcml6b250YWxBbGlnbm1lbnQiOjEsIlZlcnRpY2FsQWxpZ25tZW50IjowLCJTbWFydEZvcmVncm91bmQiOm51bGwsIkJhY2tncm91bmRGaWxsVHlwZSI6MCwiTWFyZ2luIjp7IiRyZWYiOiI0MyJ9LCJQYWRkaW5nIjp7IiRyZWYiOiI0NCJ9LCJCYWNrZ3JvdW5kIjp7IiRpZCI6IjI3MiIsIkNvbG9yIjp7IiRpZCI6IjI3MyIsIkEiOjAsIlIiOjI1NSwiRyI6MjU1LCJCIjoyNTV9fSwiSXNWaXNpYmxlIjp0cnVlLCJXaWR0aCI6MC4wLCJIZWlnaHQiOjAuMCwiQm9yZGVyU3R5bGUiOnsiJGlkIjoiMjc0IiwiTGluZUNvbG9yIjpudWxsLCJMaW5lV2VpZ2h0IjowLjAsIkxpbmVUeXBlIjowLCJQYXJlbnRTdHlsZSI6bnVsbH0sIlBhcmVudFN0eWxlIjpudWxsfSwiRGF0ZVN0eWxlIjp7IiRpZCI6IjI3NSIsIkZvbnRTZXR0aW5ncyI6eyIkaWQiOiIyNzYiLCJGb250U2l6ZSI6MTAsIkZvbnROYW1lIjoiQ2FsaWJyaSIsIklzQm9sZCI6ZmFsc2UsIklzSXRhbGljIjpmYWxzZSwiSXNVbmRlcmxpbmVkIjpmYWxzZSwiUGFyZW50U3R5bGUiOm51bGx9LCJBdXRvU2l6ZSI6MCwiRm9yZWdyb3VuZCI6eyIkaWQiOiIyNzciLCJDb2xvciI6eyIkaWQiOiIyNzgiLCJBIjoyNTUsIlIiOjY4LCJHIjo4NCwiQiI6MTA2fX0sIk1heFdpZHRoIjoyMDAuMCwiTWF4SGVpZ2h0IjoiSW5maW5pdHkiLCJTbWFydEZvcmVncm91bmRJc0FjdGl2ZSI6ZmFsc2UsIkhvcml6b250YWxBbGlnbm1lbnQiOjEsIlZlcnRpY2FsQWxpZ25tZW50IjowLCJTbWFydEZvcmVncm91bmQiOm51bGwsIkJhY2tncm91bmRGaWxsVHlwZSI6MCwiTWFyZ2luIjp7IiRyZWYiOiI1MiJ9LCJQYWRkaW5nIjp7IiRyZWYiOiI1MyJ9LCJCYWNrZ3JvdW5kIjp7IiRpZCI6IjI3OSIsIkNvbG9yIjp7IiRpZCI6IjI4MCIsIkEiOjAsIlIiOjI1NSwiRyI6MjU1LCJCIjoyNTV9fSwiSXNWaXNpYmxlIjp0cnVlLCJXaWR0aCI6MC4wLCJIZWlnaHQiOjAuMCwiQm9yZGVyU3R5bGUiOnsiJGlkIjoiMjgxIiwiTGluZUNvbG9yIjpudWxsLCJMaW5lV2VpZ2h0IjowLjAsIkxpbmVUeXBlIjowLCJQYXJlbnRTdHlsZSI6bnVsbH0sIlBhcmVudFN0eWxlIjpudWxsfSwiRGF0ZUZvcm1hdCI6eyIkcmVmIjoiNTcifSwiV2Vla051bWJlcmluZyI6eyIkaWQiOiIyODIiLCJGb3JtYXQiOjAsIklzVmlzaWJsZSI6ZmFsc2UsIkxhc3RLbm93blZpc2liaWxpdHlTdGF0ZSI6ZmFsc2V9LCJJc1Zpc2libGUiOnRydWUsIlBhcmVudFN0eWxlIjpudWxsfSwiSW5kZXgiOjcsIlNtYXJ0RHVyYXRpb25BY3RpdmF0ZWQiOmZhbHNlLCJEYXRlRm9ybWF0Ijp7IiRyZWYiOiI1NyJ9LCJXZWVrTnVtYmVyaW5nIjp7IiRpZCI6IjI4MyIsIkZvcm1hdCI6MCwiSXNWaXNpYmxlIjpmYWxzZSwiTGFzdEtub3duVmlzaWJpbGl0eVN0YXRlIjpmYWxzZX0sIklkIjoiOGIzODQzN2ItOTZhZS00N2MyLWE4OWUtMmY5YTQxMWM4YzI4IiwiSW1wb3J0SWQiOm51bGwsIlRpdGxlIjoiVXBkYXRlIENhciIsIk5vdGUiOm51bGwsIkh5cGVybGluayI6eyIkaWQiOiIyODQiLCJBZGRyZXNzIjoiIiwiU3ViQWRkcmVzcyI6IiJ9LCJJc0NoYW5nZWQiOmZhbHNlLCJJc05ldyI6ZmFsc2V9fV0sIl9taWxlc3RvbmVzIjpbXSwiSWQiOiIwMDAwMDAwMC0wMDAwLTAwMDAtMDAwMC0wMDAwMDAwMDAwMDAiLCJJc1NpbmdsZUl0ZW1Sb3ciOnRydWV9XSwiSW5kZXgiOjMsIklkIjoiZGMwNzZmY2QtZDFiZS00MjA3LWI1ZjktMzgxNWIzOGNkOTFlIiwiSGVhZGVyVGV4dCI6bnVsbCwiSXNEZWZhdWx0Ijp0cnVlLCJTdHlsZSI6eyIkaWQiOiIyODUiLCJIZWFkZXJTdHlsZSI6eyIkaWQiOiIyODYiLCJUZXh0U3R5bGUiOnsiJGlkIjoiMjg3IiwiRm9udFNldHRpbmdzIjp7IiRpZCI6IjI4OCIsIkZvbnRTaXplIjoxMSwiRm9udE5hbWUiOiJDYWxpYnJpIiwiSXNCb2xkIjpmYWxzZSwiSXNJdGFsaWMiOmZhbHNlLCJJc1VuZGVybGluZWQiOmZhbHNlLCJQYXJlbnRTdHlsZSI6bnVsbH0sIkF1dG9TaXplIjoyLCJGb3JlZ3JvdW5kIjp7IiRpZCI6IjI4OSIsIkNvbG9yIjp7IiRpZCI6IjI5MCIsIkEiOjI1NSwiUiI6MCwiRyI6MCwiQiI6MH19LCJNYXhXaWR0aCI6MC4wLCJNYXhIZWlnaHQiOiJJbmZpbml0eSIsIlNtYXJ0Rm9yZWdyb3VuZElzQWN0aXZlIjpmYWxzZSwiSG9yaXpvbnRhbEFsaWdubWVudCI6MCwiVmVydGljYWxBbGlnbm1lbnQiOjAsIlNtYXJ0Rm9yZWdyb3VuZCI6bnVsbCwiQmFja2dyb3VuZEZpbGxUeXBlIjowLCJNYXJnaW4iOnsiJGlkIjoiMjkxIiwiVG9wIjowLjAsIkxlZnQiOjAuMCwiUmlnaHQiOjAuMCwiQm90dG9tIjowLjB9LCJQYWRkaW5nIjp7IiRpZCI6IjI5MiIsIlRvcCI6MC4wLCJMZWZ0IjowLjAsIlJpZ2h0IjowLjAsIkJvdHRvbSI6MC4wfSwiQmFja2dyb3VuZCI6bnVsbCwiSXNWaXNpYmxlIjp0cnVlLCJXaWR0aCI6MC4wLCJIZWlnaHQiOjAuMCwiQm9yZGVyU3R5bGUiOm51bGwsIlBhcmVudFN0eWxlIjpudWxsfSwiUmVjdGFuZ2xlU3R5bGUiOnsiJGlkIjoiMjkzIiwiTWFyZ2luIjp7IiRpZCI6IjI5NCIsIlRvcCI6MC4wLCJMZWZ0IjowLjAsIlJpZ2h0IjowLjAsIkJvdHRvbSI6MC4wfSwiUGFkZGluZyI6eyIkaWQiOiIyOTUiLCJUb3AiOjAuMCwiTGVmdCI6MC4wLCJSaWdodCI6MC4wLCJCb3R0b20iOjAuMH0sIkJhY2tncm91bmQiOnsiJGlkIjoiMjk2IiwiQ29sb3IiOnsiJGlkIjoiMjk3IiwiQSI6NjMsIlIiOjIzNywiRyI6MTI1LCJCIjo0OX19LCJJc1Zpc2libGUiOnRydWUsIldpZHRoIjowLjAsIkhlaWdodCI6MC4wLCJCb3JkZXJTdHlsZSI6eyIkaWQiOiIyOTgiLCJMaW5lQ29sb3IiOnsiJGlkIjoiMjk5IiwiJHR5cGUiOiJOTFJFLkNvbW1vbi5Eb20uU29saWRDb2xvckJydXNoLCBOTFJFLkNvbW1vbiIsIkNvbG9yIjp7IiRpZCI6IjMwMCIsIkEiOjI1NSwiUiI6MjU1LCJHIjowLCJCIjowfX0sIkxpbmVXZWlnaHQiOjAuMCwiTGluZVR5cGUiOjAsIlBhcmVudFN0eWxlIjpudWxsfSwiUGFyZW50U3R5bGUiOm51bGx9LCJNYXJnaW4iOnsiJGlkIjoiMzAxIiwiVG9wIjowLjAsIkxlZnQiOjAuMCwiUmlnaHQiOjAuMCwiQm90dG9tIjowLjB9LCJQYWRkaW5nIjp7IiRpZCI6IjMwMiIsIlRvcCI6MC4wLCJMZWZ0IjowLjAsIlJpZ2h0IjowLjAsIkJvdHRvbSI6MC4wfSwiQmFja2dyb3VuZCI6bnVsbCwiSXNWaXNpYmxlIjp0cnVlLCJXaWR0aCI6MC4wLCJIZWlnaHQiOjAuMCwiQm9yZGVyU3R5bGUiOm51bGwsIlBhcmVudFN0eWxlIjpudWxsfSwiQmFja2dyb3VuZFN0eWxlIjp7IiRpZCI6IjMwMyIsIk1hcmdpbiI6eyIkaWQiOiIzMDQiLCJUb3AiOjAuMCwiTGVmdCI6MC4wLCJSaWdodCI6MC4wLCJCb3R0b20iOjAuMH0sIlBhZGRpbmciOnsiJGlkIjoiMzA1IiwiVG9wIjowLjAsIkxlZnQiOjAuMCwiUmlnaHQiOjAuMCwiQm90dG9tIjowLjB9LCJCYWNrZ3JvdW5kIjp7IiRpZCI6IjMwNiIsIkNvbG9yIjp7IiRpZCI6IjMwNyIsIkEiOjUxLCJSIjoxNjUsIkciOjE2NSwiQiI6MTY1fX0sIklzVmlzaWJsZSI6dHJ1ZSwiV2lkdGgiOjAuMCwiSGVpZ2h0IjowLjAsIkJvcmRlclN0eWxlIjp7IiRpZCI6IjMwOCIsIkxpbmVDb2xvciI6eyIkaWQiOiIzMDkiLCIkdHlwZSI6Ik5MUkUuQ29tbW9uLkRvbS5Tb2xpZENvbG9yQnJ1c2gsIE5MUkUuQ29tbW9uIiwiQ29sb3IiOnsiJGlkIjoiMzEwIiwiQSI6MjU1LCJSIjoyNTUsIkciOjAsIkIiOjB9fSwiTGluZVdlaWdodCI6MC4wLCJMaW5lVHlwZSI6MCwiUGFyZW50U3R5bGUiOm51bGx9LCJQYXJlbnRTdHlsZSI6bnVsbH0sIk1hcmdpbiI6eyIkaWQiOiIzMTEiLCJUb3AiOjAuMCwiTGVmdCI6MC4wLCJSaWdodCI6MC4wLCJCb3R0b20iOjAuMH0sIlBhZGRpbmciOnsiJGlkIjoiMzEyIiwiVG9wIjowLjAsIkxlZnQiOjAuMCwiUmlnaHQiOjAuMCwiQm90dG9tIjowLjB9LCJJc1Zpc2libGUiOmZhbHNlLCJXaWR0aCI6MC4wLCJIZWlnaHQiOjAuMCwiQm9yZGVyU3R5bGUiOm51bGwsIlBhcmVudFN0eWxlIjpudWxsfX1dLCJJZCI6ImUyMGFjNmMzLWNhMGYtNDVkZC1iYjQ5LTViMThhYmExOGEzZCIsIkluZGV4IjozLCJIZWFkZXJUZXh0IjoiVGVzdCBDYXNlIFdyaXRpbmciLCJTdHlsZSI6eyIkaWQiOiIzMTMiLCJIZWFkZXJTdHlsZSI6eyIkaWQiOiIzMTQiLCJUZXh0SXNWZXJ0aWNhbCI6ZmFsc2UsIlRleHRTdHlsZSI6eyIkaWQiOiIzMTUiLCJGb250U2V0dGluZ3MiOnsiJGlkIjoiMzE2IiwiRm9udFNpemUiOjEyLCJGb250TmFtZSI6IkNhbGlicmkiLCJJc0JvbGQiOmZhbHNlLCJJc0l0YWxpYyI6ZmFsc2UsIklzVW5kZXJsaW5lZCI6ZmFsc2UsIlBhcmVudFN0eWxlIjpudWxsfSwiQXV0b1NpemUiOjIsIkZvcmVncm91bmQiOnsiJHJlZiI6IjEyNiJ9LCJNYXhXaWR0aCI6MTYwLjAsIk1heEhlaWdodCI6IkluZmluaXR5IiwiU21hcnRGb3JlZ3JvdW5kSXNBY3RpdmUiOmZhbHNlLCJIb3Jpem9udGFsQWxpZ25tZW50IjowLCJWZXJ0aWNhbEFsaWdubWVudCI6MCwiU21hcnRGb3JlZ3JvdW5kIjpudWxsLCJCYWNrZ3JvdW5kRmlsbFR5cGUiOjAsIk1hcmdpbiI6eyIkcmVmIjoiMTI4In0sIlBhZGRpbmciOnsiJHJlZiI6IjEyOSJ9LCJCYWNrZ3JvdW5kIjpudWxsLCJJc1Zpc2libGUiOnRydWUsIldpZHRoIjowLjAsIkhlaWdodCI6MC4wLCJCb3JkZXJTdHlsZSI6bnVsbCwiUGFyZW50U3R5bGUiOm51bGx9LCJSZWN0YW5nbGVTdHlsZSI6eyIkaWQiOiIzMTciLCJNYXJnaW4iOnsiJGlkIjoiMzE4IiwiVG9wIjowLjAsIkxlZnQiOjAuMCwiUmlnaHQiOjAuMCwiQm90dG9tIjowLjB9LCJQYWRkaW5nIjp7IiRpZCI6IjMxOSIsIlRvcCI6MC4wLCJMZWZ0IjowLjAsIlJpZ2h0IjowLjAsIkJvdHRvbSI6MC4wfSwiQmFja2dyb3VuZCI6eyIkaWQiOiIzMjAiLCJDb2xvciI6eyIkaWQiOiIzMjEiLCJBIjoyNTUsIlIiOjIzNywiRyI6MTI1LCJCIjo0OX19LCJJc1Zpc2libGUiOnRydWUsIldpZHRoIjowLjAsIkhlaWdodCI6MC4wLCJCb3JkZXJTdHlsZSI6eyIkaWQiOiIzMjIiLCJMaW5lQ29sb3IiOnsiJGlkIjoiMzIzIiwiJHR5cGUiOiJOTFJFLkNvbW1vbi5Eb20uU29saWRDb2xvckJydXNoLCBOTFJFLkNvbW1vbiIsIkNvbG9yIjp7IiRpZCI6IjMyNCIsIkEiOjI1NSwiUiI6MjU1LCJHIjowLCJCIjowfX0sIkxpbmVXZWlnaHQiOjAuMCwiTGluZVR5cGUiOjAsIlBhcmVudFN0eWxlIjpudWxsfSwiUGFyZW50U3R5bGUiOm51bGx9LCJNYXJnaW4iOnsiJGlkIjoiMzI1IiwiVG9wIjowLjAsIkxlZnQiOjAuMCwiUmlnaHQiOjAuMCwiQm90dG9tIjowLjB9LCJQYWRkaW5nIjp7IiRpZCI6IjMyNiIsIlRvcCI6MC4wLCJMZWZ0IjowLjAsIlJpZ2h0IjowLjAsIkJvdHRvbSI6MC4wfSwiQmFja2dyb3VuZCI6bnVsbCwiSXNWaXNpYmxlIjp0cnVlLCJXaWR0aCI6MC4wLCJIZWlnaHQiOjAuMCwiQm9yZGVyU3R5bGUiOm51bGwsIlBhcmVudFN0eWxlIjpudWxsfSwiQmFja2dyb3VuZFN0eWxlIjp7IiRpZCI6IjMyNyIsIk1hcmdpbiI6eyIkaWQiOiIzMjgiLCJUb3AiOjAuMCwiTGVmdCI6MC4wLCJSaWdodCI6MC4wLCJCb3R0b20iOjAuMH0sIlBhZGRpbmciOnsiJGlkIjoiMzI5IiwiVG9wIjowLjAsIkxlZnQiOjAuMCwiUmlnaHQiOjAuMCwiQm90dG9tIjowLjB9LCJCYWNrZ3JvdW5kIjp7IiRpZCI6IjMzMCIsIkNvbG9yIjp7IiRpZCI6IjMzMSIsIkEiOjUxLCJSIjoxNjUsIkciOjE2NSwiQiI6MTY1fX0sIklzVmlzaWJsZSI6dHJ1ZSwiV2lkdGgiOjAuMCwiSGVpZ2h0IjowLjAsIkJvcmRlclN0eWxlIjp7IiRpZCI6IjMzMiIsIkxpbmVDb2xvciI6eyIkaWQiOiIzMzMiLCIkdHlwZSI6Ik5MUkUuQ29tbW9uLkRvbS5Tb2xpZENvbG9yQnJ1c2gsIE5MUkUuQ29tbW9uIiwiQ29sb3IiOnsiJGlkIjoiMzM0IiwiQSI6MjU1LCJSIjoyNTUsIkciOjAsIkIiOjB9fSwiTGluZVdlaWdodCI6MC4wLCJMaW5lVHlwZSI6MCwiUGFyZW50U3R5bGUiOm51bGx9LCJQYXJlbnRTdHlsZSI6bnVsbH0sIklzQWJvdmVUaW1lYmFuZCI6ZmFsc2UsIk1hcmdpbiI6eyIkaWQiOiIzMzUiLCJUb3AiOjAuMCwiTGVmdCI6MC4wLCJSaWdodCI6MC4wLCJCb3R0b20iOjAuMH0sIlBhZGRpbmciOnsiJGlkIjoiMzM2IiwiVG9wIjowLjAsIkxlZnQiOjAuMCwiUmlnaHQiOjAuMCwiQm90dG9tIjowLjB9LCJJc1Zpc2libGUiOnRydWUsIldpZHRoIjowLjAsIkhlaWdodCI6MC4wLCJCb3JkZXJTdHlsZSI6eyIkaWQiOiIzMzciLCJMaW5lQ29sb3IiOm51bGwsIkxpbmVXZWlnaHQiOjAuMCwiTGluZVR5cGUiOjAsIlBhcmVudFN0eWxlIjpudWxsfSwiUGFyZW50U3R5bGUiOm51bGx9fSx7IiRpZCI6IjMzOCIsIl9hY3Rpdml0aWVzIjpbeyIkaWQiOiIzMzkiLCJfcm93cyI6W3siJGlkIjoiMzQwIiwiX3Rhc2tzIjpbeyIkaWQiOiIzNDEiLCJfYXR0YWNoZWRNaWxlc3RvbmVzIjpbXSwiVGFza0RlZmluaXRpb24iOnsiJGlkIjoiMzQyIiwiR3JvdXBOYW1lIjpudWxsLCJTdGFydERhdGUiOiIyMDIyLTA1LTE5VDAwOjAwOjAwWiIsIkVuZERhdGUiOiIyMDIyLTA1LTIyVDIzOjU5OjAwWiIsIlBlcmNlbnRhZ2VDb21wbGV0ZSI6bnVsbCwiU3R5bGUiOnsiJGlkIjoiMzQzIiwiU2hhcGUiOjIsIlNoYXBlVGhpY2tuZXNzIjoxLCJEdXJhdGlvbkZvcm1hdCI6MCwiSW5jbHVkZU5vbldvcmtpbmdEYXlzSW5EdXJhdGlvbiI6ZmFsc2UsIlBlcmNlbnRhZ2VDb21wbGV0ZVN0eWxlIjp7IiRpZCI6IjM0NCIsIkZvbnRTZXR0aW5ncyI6eyIkaWQiOiIzNDUiLCJGb250U2l6ZSI6MTAsIkZvbnROYW1lIjoiQ2FsaWJyaSIsIklzQm9sZCI6ZmFsc2UsIklzSXRhbGljIjpmYWxzZSwiSXNVbmRlcmxpbmVkIjpmYWxzZSwiUGFyZW50U3R5bGUiOm51bGx9LCJBdXRvU2l6ZSI6MCwiRm9yZWdyb3VuZCI6eyIkcmVmIjoiMTAifSwiTWF4V2lkdGgiOjIwMC4wLCJNYXhIZWlnaHQiOiJJbmZpbml0eSIsIlNtYXJ0Rm9yZWdyb3VuZElzQWN0aXZlIjpmYWxzZSwiSG9yaXpvbnRhbEFsaWdubWVudCI6MCwiVmVydGljYWxBbGlnbm1lbnQiOjAsIlNtYXJ0Rm9yZWdyb3VuZCI6bnVsbCwiQmFja2dyb3VuZEZpbGxUeXBlIjowLCJNYXJnaW4iOnsiJHJlZiI6IjEyIn0sIlBhZGRpbmciOnsiJHJlZiI6IjEzIn0sIkJhY2tncm91bmQiOnsiJHJlZiI6IjE0In0sIklzVmlzaWJsZSI6dHJ1ZSwiV2lkdGgiOjAuMCwiSGVpZ2h0IjowLjAsIkJvcmRlclN0eWxlIjp7IiRpZCI6IjM0NiIsIkxpbmVDb2xvciI6bnVsbCwiTGluZVdlaWdodCI6MC4wLCJMaW5lVHlwZSI6MCwiUGFyZW50U3R5bGUiOm51bGx9LCJQYXJlbnRTdHlsZSI6bnVsbH0sIkR1cmF0aW9uU3R5bGUiOnsiJGlkIjoiMzQ3IiwiRm9udFNldHRpbmdzIjp7IiRpZCI6IjM0OCIsIkZvbnRTaXplIjoxMCwiRm9udE5hbWUiOiJDYWxpYnJpIiwiSXNCb2xkIjpmYWxzZSwiSXNJdGFsaWMiOmZhbHNlLCJJc1VuZGVybGluZWQiOmZhbHNlLCJQYXJlbnRTdHlsZSI6bnVsbH0sIkF1dG9TaXplIjowLCJGb3JlZ3JvdW5kIjp7IiRyZWYiOiIxOSJ9LCJNYXhXaWR0aCI6MjAwLjAsIk1heEhlaWdodCI6IkluZmluaXR5IiwiU21hcnRGb3JlZ3JvdW5kSXNBY3RpdmUiOmZhbHNlLCJIb3Jpem9udGFsQWxpZ25tZW50IjowLCJWZXJ0aWNhbEFsaWdubWVudCI6MCwiU21hcnRGb3JlZ3JvdW5kIjpudWxsLCJCYWNrZ3JvdW5kRmlsbFR5cGUiOjAsIk1hcmdpbiI6eyIkcmVmIjoiMjEifSwiUGFkZGluZyI6eyIkcmVmIjoiMjIifSwiQmFja2dyb3VuZCI6eyIkcmVmIjoiMjMifSwiSXNWaXNpYmxlIjp0cnVlLCJXaWR0aCI6MC4wLCJIZWlnaHQiOjAuMCwiQm9yZGVyU3R5bGUiOnsiJGlkIjoiMzQ5IiwiTGluZUNvbG9yIjpudWxsLCJMaW5lV2VpZ2h0IjowLjAsIkxpbmVUeXBlIjowLCJQYXJlbnRTdHlsZSI6bnVsbH0sIlBhcmVudFN0eWxlIjpudWxsfSwiSG9yaXpvbnRhbENvbm5lY3RvclN0eWxlIjp7IiRpZCI6IjM1MCIsIkxpbmVDb2xvciI6eyIkcmVmIjoiMjYifSwiTGluZVdlaWdodCI6MS4wLCJMaW5lVHlwZSI6MCwiUGFyZW50U3R5bGUiOm51bGx9LCJWZXJ0aWNhbENvbm5lY3RvclN0eWxlIjp7IiRpZCI6IjM1MSIsIkxpbmVDb2xvciI6eyIkcmVmIjoiMjkifSwiTGluZVdlaWdodCI6MC4wLCJMaW5lVHlwZSI6MCwiUGFyZW50U3R5bGUiOm51bGx9LCJNYXJnaW4iOm51bGwsIlN0YXJ0RGF0ZVBvc2l0aW9uIjozLCJFbmREYXRlUG9zaXRpb24iOjQsIkRhdGVJc1Zpc2libGUiOnRydWUsIlRpdGxlUG9zaXRpb24iOjIsIkR1cmF0aW9uUG9zaXRpb24iOjYsIlBlcmNlbnRhZ2VDb21wbGV0ZWRQb3NpdGlvbiI6NiwiU3BhY2luZyI6NSwiSXNCZWxvd1RpbWViYW5kIjp0cnVlLCJQZXJjZW50YWdlQ29tcGxldGVTaGFwZU9wYWNpdHkiOjM1LCJTaGFwZVN0eWxlIjp7IiRpZCI6IjM1MiIsIk1hcmdpbiI6eyIkcmVmIjoiMzIifSwiUGFkZGluZyI6eyIkcmVmIjoiMzMifSwiQmFja2dyb3VuZCI6eyIkaWQiOiIzNTMiLCJDb2xvciI6eyIkaWQiOiIzNTQiLCJBIjoyNTUsIlIiOjkxLCJHIjoxNTUsIkIiOjIxM319LCJJc1Zpc2libGUiOnRydWUsIldpZHRoIjowLjAsIkhlaWdodCI6MTYuMCwiQm9yZGVyU3R5bGUiOnsiJGlkIjoiMzU1IiwiTGluZUNvbG9yIjp7IiRyZWYiOiIzNyJ9LCJMaW5lV2VpZ2h0IjowLjAsIkxpbmVUeXBlIjowLCJQYXJlbnRTdHlsZSI6bnVsbH0sIlBhcmVudFN0eWxlIjpudWxsfSwiVGl0bGVTdHlsZSI6eyIkaWQiOiIzNTYiLCJGb250U2V0dGluZ3MiOnsiJGlkIjoiMzU3IiwiRm9udFNpemUiOjExLCJGb250TmFtZSI6IkNhbGlicmkiLCJJc0JvbGQiOnRydWUsIklzSXRhbGljIjpmYWxzZSwiSXNVbmRlcmxpbmVkIjpmYWxzZSwiUGFyZW50U3R5bGUiOm51bGx9LCJBdXRvU2l6ZSI6MCwiRm9yZWdyb3VuZCI6eyIkaWQiOiIzNTgiLCJDb2xvciI6eyIkaWQiOiIzNTkiLCJBIjoyNTUsIlIiOjAsIkciOjAsIkIiOjB9fSwiTWF4V2lkdGgiOjcyMC4wLCJNYXhIZWlnaHQiOiJJbmZpbml0eSIsIlNtYXJ0Rm9yZWdyb3VuZElzQWN0aXZlIjpmYWxzZSwiSG9yaXpvbnRhbEFsaWdubWVudCI6MSwiVmVydGljYWxBbGlnbm1lbnQiOjAsIlNtYXJ0Rm9yZWdyb3VuZCI6bnVsbCwiQmFja2dyb3VuZEZpbGxUeXBlIjowLCJNYXJnaW4iOnsiJHJlZiI6IjQzIn0sIlBhZGRpbmciOnsiJHJlZiI6IjQ0In0sIkJhY2tncm91bmQiOnsiJGlkIjoiMzYwIiwiQ29sb3IiOnsiJGlkIjoiMzYxIiwiQSI6MCwiUiI6MjU1LCJHIjoyNTUsIkIiOjI1NX19LCJJc1Zpc2libGUiOnRydWUsIldpZHRoIjowLjAsIkhlaWdodCI6MC4wLCJCb3JkZXJTdHlsZSI6eyIkaWQiOiIzNjIiLCJMaW5lQ29sb3IiOm51bGwsIkxpbmVXZWlnaHQiOjAuMCwiTGluZVR5cGUiOjAsIlBhcmVudFN0eWxlIjpudWxsfSwiUGFyZW50U3R5bGUiOm51bGx9LCJEYXRlU3R5bGUiOnsiJGlkIjoiMzYzIiwiRm9udFNldHRpbmdzIjp7IiRpZCI6IjM2NCIsIkZvbnRTaXplIjoxMCwiRm9udE5hbWUiOiJDYWxpYnJpIiwiSXNCb2xkIjpmYWxzZSwiSXNJdGFsaWMiOmZhbHNlLCJJc1VuZGVybGluZWQiOmZhbHNlLCJQYXJlbnRTdHlsZSI6bnVsbH0sIkF1dG9TaXplIjowLCJGb3JlZ3JvdW5kIjp7IiRpZCI6IjM2NSIsIkNvbG9yIjp7IiRpZCI6IjM2NiIsIkEiOjI1NSwiUiI6NjgsIkciOjg0LCJCIjoxMDZ9fSwiTWF4V2lkdGgiOjIwMC4wLCJNYXhIZWlnaHQiOiJJbmZpbml0eSIsIlNtYXJ0Rm9yZWdyb3VuZElzQWN0aXZlIjpmYWxzZSwiSG9yaXpvbnRhbEFsaWdubWVudCI6MSwiVmVydGljYWxBbGlnbm1lbnQiOjAsIlNtYXJ0Rm9yZWdyb3VuZCI6bnVsbCwiQmFja2dyb3VuZEZpbGxUeXBlIjowLCJNYXJnaW4iOnsiJHJlZiI6IjUyIn0sIlBhZGRpbmciOnsiJHJlZiI6IjUzIn0sIkJhY2tncm91bmQiOnsiJGlkIjoiMzY3IiwiQ29sb3IiOnsiJGlkIjoiMzY4IiwiQSI6MCwiUiI6MjU1LCJHIjoyNTUsIkIiOjI1NX19LCJJc1Zpc2libGUiOnRydWUsIldpZHRoIjowLjAsIkhlaWdodCI6MC4wLCJCb3JkZXJTdHlsZSI6eyIkaWQiOiIzNjkiLCJMaW5lQ29sb3IiOm51bGwsIkxpbmVXZWlnaHQiOjAuMCwiTGluZVR5cGUiOjAsIlBhcmVudFN0eWxlIjpudWxsfSwiUGFyZW50U3R5bGUiOm51bGx9LCJEYXRlRm9ybWF0Ijp7IiRyZWYiOiI1NyJ9LCJXZWVrTnVtYmVyaW5nIjp7IiRpZCI6IjM3MCIsIkZvcm1hdCI6MCwiSXNWaXNpYmxlIjpmYWxzZSwiTGFzdEtub3duVmlzaWJpbGl0eVN0YXRlIjpmYWxzZX0sIklzVmlzaWJsZSI6dHJ1ZSwiUGFyZW50U3R5bGUiOm51bGx9LCJJbmRleCI6OSwiU21hcnREdXJhdGlvbkFjdGl2YXRlZCI6ZmFsc2UsIkRhdGVGb3JtYXQiOnsiJHJlZiI6IjU3In0sIldlZWtOdW1iZXJpbmciOnsiJGlkIjoiMzcxIiwiRm9ybWF0IjowLCJJc1Zpc2libGUiOmZhbHNlLCJMYXN0S25vd25WaXNpYmlsaXR5U3RhdGUiOmZhbHNlfSwiSWQiOiI0OTFhNWQ3Yy1kMmM5LTQyMmYtOWZhMy1jNmEzYjY2ZmEwZGIiLCJJbXBvcnRJZCI6bnVsbCwiVGl0bGUiOiJVc2VyIEhvbWUgUGFnZSIsIk5vdGUiOm51bGwsIkh5cGVybGluayI6eyIkaWQiOiIzNzIiLCJBZGRyZXNzIjoiIiwiU3ViQWRkcmVzcyI6IiJ9LCJJc0NoYW5nZWQiOmZhbHNlLCJJc05ldyI6ZmFsc2V9fV0sIl9taWxlc3RvbmVzIjpbXSwiSWQiOiIwMDAwMDAwMC0wMDAwLTAwMDAtMDAwMC0wMDAwMDAwMDAwMDAiLCJJc1NpbmdsZUl0ZW1Sb3ciOnRydWV9LHsiJGlkIjoiMzczIiwiX3Rhc2tzIjpbeyIkaWQiOiIzNzQiLCJfYXR0YWNoZWRNaWxlc3RvbmVzIjpbXSwiVGFza0RlZmluaXRpb24iOnsiJGlkIjoiMzc1IiwiR3JvdXBOYW1lIjpudWxsLCJTdGFydERhdGUiOiIyMDIyLTA1LTE5VDAwOjAwOjAwWiIsIkVuZERhdGUiOiIyMDIyLTA1LTIwVDIzOjU5OjAwWiIsIlBlcmNlbnRhZ2VDb21wbGV0ZSI6bnVsbCwiU3R5bGUiOnsiJGlkIjoiMzc2IiwiU2hhcGUiOjIsIlNoYXBlVGhpY2tuZXNzIjoxLCJEdXJhdGlvbkZvcm1hdCI6MCwiSW5jbHVkZU5vbldvcmtpbmdEYXlzSW5EdXJhdGlvbiI6ZmFsc2UsIlBlcmNlbnRhZ2VDb21wbGV0ZVN0eWxlIjp7IiRpZCI6IjM3NyIsIkZvbnRTZXR0aW5ncyI6eyIkaWQiOiIzNzgiLCJGb250U2l6ZSI6MTAsIkZvbnROYW1lIjoiQ2FsaWJyaSIsIklzQm9sZCI6ZmFsc2UsIklzSXRhbGljIjpmYWxzZSwiSXNVbmRlcmxpbmVkIjpmYWxzZSwiUGFyZW50U3R5bGUiOm51bGx9LCJBdXRvU2l6ZSI6MCwiRm9yZWdyb3VuZCI6eyIkcmVmIjoiMTAifSwiTWF4V2lkdGgiOjIwMC4wLCJNYXhIZWlnaHQiOiJJbmZpbml0eSIsIlNtYXJ0Rm9yZWdyb3VuZElzQWN0aXZlIjpmYWxzZSwiSG9yaXpvbnRhbEFsaWdubWVudCI6MCwiVmVydGljYWxBbGlnbm1lbnQiOjAsIlNtYXJ0Rm9yZWdyb3VuZCI6bnVsbCwiQmFja2dyb3VuZEZpbGxUeXBlIjowLCJNYXJnaW4iOnsiJHJlZiI6IjEyIn0sIlBhZGRpbmciOnsiJHJlZiI6IjEzIn0sIkJhY2tncm91bmQiOnsiJHJlZiI6IjE0In0sIklzVmlzaWJsZSI6dHJ1ZSwiV2lkdGgiOjAuMCwiSGVpZ2h0IjowLjAsIkJvcmRlclN0eWxlIjp7IiRpZCI6IjM3OSIsIkxpbmVDb2xvciI6bnVsbCwiTGluZVdlaWdodCI6MC4wLCJMaW5lVHlwZSI6MCwiUGFyZW50U3R5bGUiOm51bGx9LCJQYXJlbnRTdHlsZSI6bnVsbH0sIkR1cmF0aW9uU3R5bGUiOnsiJGlkIjoiMzgwIiwiRm9udFNldHRpbmdzIjp7IiRpZCI6IjM4MSIsIkZvbnRTaXplIjoxMCwiRm9udE5hbWUiOiJDYWxpYnJpIiwiSXNCb2xkIjpmYWxzZSwiSXNJdGFsaWMiOmZhbHNlLCJJc1VuZGVybGluZWQiOmZhbHNlLCJQYXJlbnRTdHlsZSI6bnVsbH0sIkF1dG9TaXplIjowLCJGb3JlZ3JvdW5kIjp7IiRyZWYiOiIxOSJ9LCJNYXhXaWR0aCI6MjAwLjAsIk1heEhlaWdodCI6IkluZmluaXR5IiwiU21hcnRGb3JlZ3JvdW5kSXNBY3RpdmUiOmZhbHNlLCJIb3Jpem9udGFsQWxpZ25tZW50IjowLCJWZXJ0aWNhbEFsaWdubWVudCI6MCwiU21hcnRGb3JlZ3JvdW5kIjpudWxsLCJCYWNrZ3JvdW5kRmlsbFR5cGUiOjAsIk1hcmdpbiI6eyIkcmVmIjoiMjEifSwiUGFkZGluZyI6eyIkcmVmIjoiMjIifSwiQmFja2dyb3VuZCI6eyIkcmVmIjoiMjMifSwiSXNWaXNpYmxlIjp0cnVlLCJXaWR0aCI6MC4wLCJIZWlnaHQiOjAuMCwiQm9yZGVyU3R5bGUiOnsiJGlkIjoiMzgyIiwiTGluZUNvbG9yIjpudWxsLCJMaW5lV2VpZ2h0IjowLjAsIkxpbmVUeXBlIjowLCJQYXJlbnRTdHlsZSI6bnVsbH0sIlBhcmVudFN0eWxlIjpudWxsfSwiSG9yaXpvbnRhbENvbm5lY3RvclN0eWxlIjp7IiRpZCI6IjM4MyIsIkxpbmVDb2xvciI6eyIkcmVmIjoiMjYifSwiTGluZVdlaWdodCI6MS4wLCJMaW5lVHlwZSI6MCwiUGFyZW50U3R5bGUiOm51bGx9LCJWZXJ0aWNhbENvbm5lY3RvclN0eWxlIjp7IiRpZCI6IjM4NCIsIkxpbmVDb2xvciI6eyIkcmVmIjoiMjkifSwiTGluZVdlaWdodCI6MC4wLCJMaW5lVHlwZSI6MCwiUGFyZW50U3R5bGUiOm51bGx9LCJNYXJnaW4iOm51bGwsIlN0YXJ0RGF0ZVBvc2l0aW9uIjozLCJFbmREYXRlUG9zaXRpb24iOjQsIkRhdGVJc1Zpc2libGUiOnRydWUsIlRpdGxlUG9zaXRpb24iOjIsIkR1cmF0aW9uUG9zaXRpb24iOjYsIlBlcmNlbnRhZ2VDb21wbGV0ZWRQb3NpdGlvbiI6NiwiU3BhY2luZyI6NSwiSXNCZWxvd1RpbWViYW5kIjp0cnVlLCJQZXJjZW50YWdlQ29tcGxldGVTaGFwZU9wYWNpdHkiOjM1LCJTaGFwZVN0eWxlIjp7IiRpZCI6IjM4NSIsIk1hcmdpbiI6eyIkcmVmIjoiMzIifSwiUGFkZGluZyI6eyIkcmVmIjoiMzMifSwiQmFja2dyb3VuZCI6eyIkaWQiOiIzODYiLCJDb2xvciI6eyIkaWQiOiIzODciLCJBIjoyNTUsIlIiOjkxLCJHIjoxNTUsIkIiOjIxM319LCJJc1Zpc2libGUiOnRydWUsIldpZHRoIjowLjAsIkhlaWdodCI6MTYuMCwiQm9yZGVyU3R5bGUiOnsiJGlkIjoiMzg4IiwiTGluZUNvbG9yIjp7IiRpZCI6IjM4OSIsIiR0eXBlIjoiTkxSRS5Db21tb24uRG9tLlNvbGlkQ29sb3JCcnVzaCwgTkxSRS5Db21tb24iLCJDb2xvciI6eyIkaWQiOiIzOTAiLCJBIjoyNTUsIlIiOjI1NSwiRyI6MCwiQiI6MH19LCJMaW5lV2VpZ2h0IjowLjAsIkxpbmVUeXBlIjowLCJQYXJlbnRTdHlsZSI6bnVsbH0sIlBhcmVudFN0eWxlIjpudWxsfSwiVGl0bGVTdHlsZSI6eyIkaWQiOiIzOTEiLCJGb250U2V0dGluZ3MiOnsiJGlkIjoiMzkyIiwiRm9udFNpemUiOjExLCJGb250TmFtZSI6IkNhbGlicmkiLCJJc0JvbGQiOnRydWUsIklzSXRhbGljIjpmYWxzZSwiSXNVbmRlcmxpbmVkIjpmYWxzZSwiUGFyZW50U3R5bGUiOm51bGx9LCJBdXRvU2l6ZSI6MCwiRm9yZWdyb3VuZCI6eyIkaWQiOiIzOTMiLCJDb2xvciI6eyIkaWQiOiIzOTQiLCJBIjoyNTUsIlIiOjAsIkciOjAsIkIiOjB9fSwiTWF4V2lkdGgiOjcyMC4wLCJNYXhIZWlnaHQiOiJJbmZpbml0eSIsIlNtYXJ0Rm9yZWdyb3VuZElzQWN0aXZlIjpmYWxzZSwiSG9yaXpvbnRhbEFsaWdubWVudCI6MSwiVmVydGljYWxBbGlnbm1lbnQiOjAsIlNtYXJ0Rm9yZWdyb3VuZCI6bnVsbCwiQmFja2dyb3VuZEZpbGxUeXBlIjowLCJNYXJnaW4iOnsiJHJlZiI6IjQzIn0sIlBhZGRpbmciOnsiJHJlZiI6IjQ0In0sIkJhY2tncm91bmQiOnsiJGlkIjoiMzk1IiwiQ29sb3IiOnsiJGlkIjoiMzk2IiwiQSI6MCwiUiI6MjU1LCJHIjoyNTUsIkIiOjI1NX19LCJJc1Zpc2libGUiOnRydWUsIldpZHRoIjowLjAsIkhlaWdodCI6MC4wLCJCb3JkZXJTdHlsZSI6eyIkaWQiOiIzOTciLCJMaW5lQ29sb3IiOm51bGwsIkxpbmVXZWlnaHQiOjAuMCwiTGluZVR5cGUiOjAsIlBhcmVudFN0eWxlIjpudWxsfSwiUGFyZW50U3R5bGUiOm51bGx9LCJEYXRlU3R5bGUiOnsiJGlkIjoiMzk4IiwiRm9udFNldHRpbmdzIjp7IiRpZCI6IjM5OSIsIkZvbnRTaXplIjoxMCwiRm9udE5hbWUiOiJDYWxpYnJpIiwiSXNCb2xkIjpmYWxzZSwiSXNJdGFsaWMiOmZhbHNlLCJJc1VuZGVybGluZWQiOmZhbHNlLCJQYXJlbnRTdHlsZSI6bnVsbH0sIkF1dG9TaXplIjowLCJGb3JlZ3JvdW5kIjp7IiRpZCI6IjQwMCIsIkNvbG9yIjp7IiRpZCI6IjQwMSIsIkEiOjI1NSwiUiI6NjgsIkciOjg0LCJCIjoxMDZ9fSwiTWF4V2lkdGgiOjIwMC4wLCJNYXhIZWlnaHQiOiJJbmZpbml0eSIsIlNtYXJ0Rm9yZWdyb3VuZElzQWN0aXZlIjpmYWxzZSwiSG9yaXpvbnRhbEFsaWdubWVudCI6MSwiVmVydGljYWxBbGlnbm1lbnQiOjAsIlNtYXJ0Rm9yZWdyb3VuZCI6bnVsbCwiQmFja2dyb3VuZEZpbGxUeXBlIjowLCJNYXJnaW4iOnsiJHJlZiI6IjUyIn0sIlBhZGRpbmciOnsiJHJlZiI6IjUzIn0sIkJhY2tncm91bmQiOnsiJGlkIjoiNDAyIiwiQ29sb3IiOnsiJGlkIjoiNDAzIiwiQSI6MCwiUiI6MjU1LCJHIjoyNTUsIkIiOjI1NX19LCJJc1Zpc2libGUiOnRydWUsIldpZHRoIjowLjAsIkhlaWdodCI6MC4wLCJCb3JkZXJTdHlsZSI6eyIkaWQiOiI0MDQiLCJMaW5lQ29sb3IiOm51bGwsIkxpbmVXZWlnaHQiOjAuMCwiTGluZVR5cGUiOjAsIlBhcmVudFN0eWxlIjpudWxsfSwiUGFyZW50U3R5bGUiOm51bGx9LCJEYXRlRm9ybWF0Ijp7IiRpZCI6IjQwNSIsIkZvcm1hdFN0cmluZyI6Ik1NTSBkIiwiU2VwYXJhdG9yIjoiLyIsIlVzZUludGVybmF0aW9uYWxEYXRlRm9ybWF0IjpmYWxzZSwiRGF0ZUlzVmlzaWJsZSI6dHJ1ZSwiVGltZUlzVmlzaWJsZSI6ZmFsc2UsIkhvdXJEaWdpdHMiOjEsIkFtUG1EZXNpZ25hdG9yIjoyLCJUcmltMDBNaW51dGVzIjpmYWxzZSwiTGFzdEtub3duVmlzaWJpbGl0eVN0YXRlIjpudWxsfSwiV2Vla051bWJlcmluZyI6eyIkaWQiOiI0MDYiLCJGb3JtYXQiOjAsIklzVmlzaWJsZSI6ZmFsc2UsIkxhc3RLbm93blZpc2liaWxpdHlTdGF0ZSI6ZmFsc2V9LCJJc1Zpc2libGUiOnRydWUsIlBhcmVudFN0eWxlIjpudWxsfSwiSW5kZXgiOjEwLCJTbWFydER1cmF0aW9uQWN0aXZhdGVkIjpmYWxzZSwiRGF0ZUZvcm1hdCI6eyIkcmVmIjoiNDA1In0sIldlZWtOdW1iZXJpbmciOnsiJGlkIjoiNDA3IiwiRm9ybWF0IjowLCJJc1Zpc2libGUiOmZhbHNlLCJMYXN0S25vd25WaXNpYmlsaXR5U3RhdGUiOmZhbHNlfSwiSWQiOiI0ZTdjMTg5Ni0xMTFhLTRjZDgtYWZjMi1jNTQ2NTRhYTk4MmQiLCJJbXBvcnRJZCI6bnVsbCwiVGl0bGUiOiJVc2VyIExvZ2luIFBhZ2UiLCJOb3RlIjpudWxsLCJIeXBlcmxpbmsiOnsiJGlkIjoiNDA4IiwiQWRkcmVzcyI6IiIsIlN1YkFkZHJlc3MiOiIifSwiSXNDaGFuZ2VkIjpmYWxzZSwiSXNOZXciOmZhbHNlfX1dLCJfbWlsZXN0b25lcyI6W10sIklkIjoiMDAwMDAwMDAtMDAwMC0wMDAwLTAwMDAtMDAwMDAwMDAwMDAwIiwiSXNTaW5nbGVJdGVtUm93Ijp0cnVlfSx7IiRpZCI6IjQwOSIsIl90YXNrcyI6W3siJGlkIjoiNDEwIiwiX2F0dGFjaGVkTWlsZXN0b25lcyI6W10sIlRhc2tEZWZpbml0aW9uIjp7IiRpZCI6IjQxMSIsIkdyb3VwTmFtZSI6bnVsbCwiU3RhcnREYXRlIjoiMjAyMi0wNS0xOVQwMDowMDowMFoiLCJFbmREYXRlIjoiMjAyMi0wNS0yMFQyMzo1OTowMFoiLCJQZXJjZW50YWdlQ29tcGxldGUiOm51bGwsIlN0eWxlIjp7IiRpZCI6IjQxMiIsIlNoYXBlIjoyLCJTaGFwZVRoaWNrbmVzcyI6MSwiRHVyYXRpb25Gb3JtYXQiOjAsIkluY2x1ZGVOb25Xb3JraW5nRGF5c0luRHVyYXRpb24iOmZhbHNlLCJQZXJjZW50YWdlQ29tcGxldGVTdHlsZSI6eyIkaWQiOiI0MTMiLCJGb250U2V0dGluZ3MiOnsiJGlkIjoiNDE0IiwiRm9udFNpemUiOjEwLCJGb250TmFtZSI6IkNhbGlicmkiLCJJc0JvbGQiOmZhbHNlLCJJc0l0YWxpYyI6ZmFsc2UsIklzVW5kZXJsaW5lZCI6ZmFsc2UsIlBhcmVudFN0eWxlIjpudWxsfSwiQXV0b1NpemUiOjAsIkZvcmVncm91bmQiOnsiJHJlZiI6IjEwIn0sIk1heFdpZHRoIjoyMDAuMCwiTWF4SGVpZ2h0IjoiSW5maW5pdHkiLCJTbWFydEZvcmVncm91bmRJc0FjdGl2ZSI6ZmFsc2UsIkhvcml6b250YWxBbGlnbm1lbnQiOjAsIlZlcnRpY2FsQWxpZ25tZW50IjowLCJTbWFydEZvcmVncm91bmQiOm51bGwsIkJhY2tncm91bmRGaWxsVHlwZSI6MCwiTWFyZ2luIjp7IiRyZWYiOiIxMiJ9LCJQYWRkaW5nIjp7IiRyZWYiOiIxMyJ9LCJCYWNrZ3JvdW5kIjp7IiRyZWYiOiIxNCJ9LCJJc1Zpc2libGUiOnRydWUsIldpZHRoIjowLjAsIkhlaWdodCI6MC4wLCJCb3JkZXJTdHlsZSI6eyIkaWQiOiI0MTUiLCJMaW5lQ29sb3IiOm51bGwsIkxpbmVXZWlnaHQiOjAuMCwiTGluZVR5cGUiOjAsIlBhcmVudFN0eWxlIjpudWxsfSwiUGFyZW50U3R5bGUiOm51bGx9LCJEdXJhdGlvblN0eWxlIjp7IiRpZCI6IjQxNiIsIkZvbnRTZXR0aW5ncyI6eyIkaWQiOiI0MTciLCJGb250U2l6ZSI6MTAsIkZvbnROYW1lIjoiQ2FsaWJyaSIsIklzQm9sZCI6ZmFsc2UsIklzSXRhbGljIjpmYWxzZSwiSXNVbmRlcmxpbmVkIjpmYWxzZSwiUGFyZW50U3R5bGUiOm51bGx9LCJBdXRvU2l6ZSI6MCwiRm9yZWdyb3VuZCI6eyIkcmVmIjoiMTkifSwiTWF4V2lkdGgiOjIwMC4wLCJNYXhIZWlnaHQiOiJJbmZpbml0eSIsIlNtYXJ0Rm9yZWdyb3VuZElzQWN0aXZlIjpmYWxzZSwiSG9yaXpvbnRhbEFsaWdubWVudCI6MCwiVmVydGljYWxBbGlnbm1lbnQiOjAsIlNtYXJ0Rm9yZWdyb3VuZCI6bnVsbCwiQmFja2dyb3VuZEZpbGxUeXBlIjowLCJNYXJnaW4iOnsiJHJlZiI6IjIxIn0sIlBhZGRpbmciOnsiJHJlZiI6IjIyIn0sIkJhY2tncm91bmQiOnsiJHJlZiI6IjIzIn0sIklzVmlzaWJsZSI6dHJ1ZSwiV2lkdGgiOjAuMCwiSGVpZ2h0IjowLjAsIkJvcmRlclN0eWxlIjp7IiRpZCI6IjQxOCIsIkxpbmVDb2xvciI6bnVsbCwiTGluZVdlaWdodCI6MC4wLCJMaW5lVHlwZSI6MCwiUGFyZW50U3R5bGUiOm51bGx9LCJQYXJlbnRTdHlsZSI6bnVsbH0sIkhvcml6b250YWxDb25uZWN0b3JTdHlsZSI6eyIkaWQiOiI0MTkiLCJMaW5lQ29sb3IiOnsiJHJlZiI6IjI2In0sIkxpbmVXZWlnaHQiOjEuMCwiTGluZVR5cGUiOjAsIlBhcmVudFN0eWxlIjpudWxsfSwiVmVydGljYWxDb25uZWN0b3JTdHlsZSI6eyIkaWQiOiI0MjAiLCJMaW5lQ29sb3IiOnsiJHJlZiI6IjI5In0sIkxpbmVXZWlnaHQiOjAuMCwiTGluZVR5cGUiOjAsIlBhcmVudFN0eWxlIjpudWxsfSwiTWFyZ2luIjpudWxsLCJTdGFydERhdGVQb3NpdGlvbiI6MywiRW5kRGF0ZVBvc2l0aW9uIjo0LCJEYXRlSXNWaXNpYmxlIjp0cnVlLCJUaXRsZVBvc2l0aW9uIjoyLCJEdXJhdGlvblBvc2l0aW9uIjo2LCJQZXJjZW50YWdlQ29tcGxldGVkUG9zaXRpb24iOjYsIlNwYWNpbmciOjUsIklzQmVsb3dUaW1lYmFuZCI6dHJ1ZSwiUGVyY2VudGFnZUNvbXBsZXRlU2hhcGVPcGFjaXR5IjozNSwiU2hhcGVTdHlsZSI6eyIkaWQiOiI0MjEiLCJNYXJnaW4iOnsiJHJlZiI6IjMyIn0sIlBhZGRpbmciOnsiJHJlZiI6IjMzIn0sIkJhY2tncm91bmQiOnsiJGlkIjoiNDIyIiwiQ29sb3IiOnsiJGlkIjoiNDIzIiwiQSI6MjU1LCJSIjo5MSwiRyI6MTU1LCJCIjoyMTN9fSwiSXNWaXNpYmxlIjp0cnVlLCJXaWR0aCI6MC4wLCJIZWlnaHQiOjE2LjAsIkJvcmRlclN0eWxlIjp7IiRpZCI6IjQyNCIsIkxpbmVDb2xvciI6eyIkcmVmIjoiMzcifSwiTGluZVdlaWdodCI6MC4wLCJMaW5lVHlwZSI6MCwiUGFyZW50U3R5bGUiOm51bGx9LCJQYXJlbnRTdHlsZSI6bnVsbH0sIlRpdGxlU3R5bGUiOnsiJGlkIjoiNDI1IiwiRm9udFNldHRpbmdzIjp7IiRpZCI6IjQyNiIsIkZvbnRTaXplIjoxMSwiRm9udE5hbWUiOiJDYWxpYnJpIiwiSXNCb2xkIjp0cnVlLCJJc0l0YWxpYyI6ZmFsc2UsIklzVW5kZXJsaW5lZCI6ZmFsc2UsIlBhcmVudFN0eWxlIjpudWxsfSwiQXV0b1NpemUiOjAsIkZvcmVncm91bmQiOnsiJGlkIjoiNDI3IiwiQ29sb3IiOnsiJGlkIjoiNDI4IiwiQSI6MjU1LCJSIjowLCJHIjowLCJCIjowfX0sIk1heFdpZHRoIjo3MjAuMCwiTWF4SGVpZ2h0IjoiSW5maW5pdHkiLCJTbWFydEZvcmVncm91bmRJc0FjdGl2ZSI6ZmFsc2UsIkhvcml6b250YWxBbGlnbm1lbnQiOjEsIlZlcnRpY2FsQWxpZ25tZW50IjowLCJTbWFydEZvcmVncm91bmQiOm51bGwsIkJhY2tncm91bmRGaWxsVHlwZSI6MCwiTWFyZ2luIjp7IiRyZWYiOiI0MyJ9LCJQYWRkaW5nIjp7IiRyZWYiOiI0NCJ9LCJCYWNrZ3JvdW5kIjp7IiRpZCI6IjQyOSIsIkNvbG9yIjp7IiRpZCI6IjQzMCIsIkEiOjAsIlIiOjI1NSwiRyI6MjU1LCJCIjoyNTV9fSwiSXNWaXNpYmxlIjp0cnVlLCJXaWR0aCI6MC4wLCJIZWlnaHQiOjAuMCwiQm9yZGVyU3R5bGUiOnsiJGlkIjoiNDMxIiwiTGluZUNvbG9yIjpudWxsLCJMaW5lV2VpZ2h0IjowLjAsIkxpbmVUeXBlIjowLCJQYXJlbnRTdHlsZSI6bnVsbH0sIlBhcmVudFN0eWxlIjpudWxsfSwiRGF0ZVN0eWxlIjp7IiRpZCI6IjQzMiIsIkZvbnRTZXR0aW5ncyI6eyIkaWQiOiI0MzMiLCJGb250U2l6ZSI6MTAsIkZvbnROYW1lIjoiQ2FsaWJyaSIsIklzQm9sZCI6ZmFsc2UsIklzSXRhbGljIjpmYWxzZSwiSXNVbmRlcmxpbmVkIjpmYWxzZSwiUGFyZW50U3R5bGUiOm51bGx9LCJBdXRvU2l6ZSI6MCwiRm9yZWdyb3VuZCI6eyIkaWQiOiI0MzQiLCJDb2xvciI6eyIkaWQiOiI0MzUiLCJBIjoyNTUsIlIiOjY4LCJHIjo4NCwiQiI6MTA2fX0sIk1heFdpZHRoIjoyMDAuMCwiTWF4SGVpZ2h0IjoiSW5maW5pdHkiLCJTbWFydEZvcmVncm91bmRJc0FjdGl2ZSI6ZmFsc2UsIkhvcml6b250YWxBbGlnbm1lbnQiOjEsIlZlcnRpY2FsQWxpZ25tZW50IjowLCJTbWFydEZvcmVncm91bmQiOm51bGwsIkJhY2tncm91bmRGaWxsVHlwZSI6MCwiTWFyZ2luIjp7IiRyZWYiOiI1MiJ9LCJQYWRkaW5nIjp7IiRyZWYiOiI1MyJ9LCJCYWNrZ3JvdW5kIjp7IiRpZCI6IjQzNiIsIkNvbG9yIjp7IiRpZCI6IjQzNyIsIkEiOjAsIlIiOjI1NSwiRyI6MjU1LCJCIjoyNTV9fSwiSXNWaXNpYmxlIjp0cnVlLCJXaWR0aCI6MC4wLCJIZWlnaHQiOjAuMCwiQm9yZGVyU3R5bGUiOnsiJGlkIjoiNDM4IiwiTGluZUNvbG9yIjpudWxsLCJMaW5lV2VpZ2h0IjowLjAsIkxpbmVUeXBlIjowLCJQYXJlbnRTdHlsZSI6bnVsbH0sIlBhcmVudFN0eWxlIjpudWxsfSwiRGF0ZUZvcm1hdCI6eyIkcmVmIjoiNTcifSwiV2Vla051bWJlcmluZyI6eyIkaWQiOiI0MzkiLCJGb3JtYXQiOjAsIklzVmlzaWJsZSI6ZmFsc2UsIkxhc3RLbm93blZpc2liaWxpdHlTdGF0ZSI6ZmFsc2V9LCJJc1Zpc2libGUiOnRydWUsIlBhcmVudFN0eWxlIjpudWxsfSwiSW5kZXgiOjExLCJTbWFydER1cmF0aW9uQWN0aXZhdGVkIjpmYWxzZSwiRGF0ZUZvcm1hdCI6eyIkcmVmIjoiNTcifSwiV2Vla051bWJlcmluZyI6eyIkaWQiOiI0NDAiLCJGb3JtYXQiOjAsIklzVmlzaWJsZSI6ZmFsc2UsIkxhc3RLbm93blZpc2liaWxpdHlTdGF0ZSI6ZmFsc2V9LCJJZCI6IjE5NmU0NjFmLWEzYjktNGJlZC04YmM1LTZkYzk5ZTY3NmRlYiIsIkltcG9ydElkIjpudWxsLCJUaXRsZSI6IkNhciBSZXNlcnZhdGlvbiIsIk5vdGUiOm51bGwsIkh5cGVybGluayI6eyIkaWQiOiI0NDEiLCJBZGRyZXNzIjoiIiwiU3ViQWRkcmVzcyI6IiJ9LCJJc0NoYW5nZWQiOmZhbHNlLCJJc05ldyI6ZmFsc2V9fV0sIl9taWxlc3RvbmVzIjpbXSwiSWQiOiIwMDAwMDAwMC0wMDAwLTAwMDAtMDAwMC0wMDAwMDAwMDAwMDAiLCJJc1NpbmdsZUl0ZW1Sb3ciOnRydWV9XSwiSW5kZXgiOjgsIklkIjoiMmU2Y2QxM2ItOTkzNC00NTNmLTk1NjktYzA0ZTVlNjVhNmViIiwiSGVhZGVyVGV4dCI6bnVsbCwiSXNEZWZhdWx0Ijp0cnVlLCJTdHlsZSI6eyIkaWQiOiI0NDIiLCJIZWFkZXJTdHlsZSI6eyIkaWQiOiI0NDMiLCJUZXh0U3R5bGUiOnsiJGlkIjoiNDQ0IiwiRm9udFNldHRpbmdzIjp7IiRpZCI6IjQ0NSIsIkZvbnRTaXplIjoxMSwiRm9udE5hbWUiOiJDYWxpYnJpIiwiSXNCb2xkIjpmYWxzZSwiSXNJdGFsaWMiOmZhbHNlLCJJc1VuZGVybGluZWQiOmZhbHNlLCJQYXJlbnRTdHlsZSI6bnVsbH0sIkF1dG9TaXplIjoyLCJGb3JlZ3JvdW5kIjp7IiRpZCI6IjQ0NiIsIkNvbG9yIjp7IiRpZCI6IjQ0NyIsIkEiOjI1NSwiUiI6MCwiRyI6MCwiQiI6MH19LCJNYXhXaWR0aCI6MC4wLCJNYXhIZWlnaHQiOiJJbmZpbml0eSIsIlNtYXJ0Rm9yZWdyb3VuZElzQWN0aXZlIjpmYWxzZSwiSG9yaXpvbnRhbEFsaWdubWVudCI6MCwiVmVydGljYWxBbGlnbm1lbnQiOjAsIlNtYXJ0Rm9yZWdyb3VuZCI6bnVsbCwiQmFja2dyb3VuZEZpbGxUeXBlIjowLCJNYXJnaW4iOnsiJGlkIjoiNDQ4IiwiVG9wIjowLjAsIkxlZnQiOjAuMCwiUmlnaHQiOjAuMCwiQm90dG9tIjowLjB9LCJQYWRkaW5nIjp7IiRpZCI6IjQ0OSIsIlRvcCI6MC4wLCJMZWZ0IjowLjAsIlJpZ2h0IjowLjAsIkJvdHRvbSI6MC4wfSwiQmFja2dyb3VuZCI6bnVsbCwiSXNWaXNpYmxlIjp0cnVlLCJXaWR0aCI6MC4wLCJIZWlnaHQiOjAuMCwiQm9yZGVyU3R5bGUiOm51bGwsIlBhcmVudFN0eWxlIjpudWxsfSwiUmVjdGFuZ2xlU3R5bGUiOnsiJGlkIjoiNDUwIiwiTWFyZ2luIjp7IiRpZCI6IjQ1MSIsIlRvcCI6MC4wLCJMZWZ0IjowLjAsIlJpZ2h0IjowLjAsIkJvdHRvbSI6MC4wfSwiUGFkZGluZyI6eyIkaWQiOiI0NTIiLCJUb3AiOjAuMCwiTGVmdCI6MC4wLCJSaWdodCI6MC4wLCJCb3R0b20iOjAuMH0sIkJhY2tncm91bmQiOnsiJGlkIjoiNDUzIiwiQ29sb3IiOnsiJGlkIjoiNDU0IiwiQSI6NjMsIlIiOjE2NSwiRyI6MTY1LCJCIjoxNjV9fSwiSXNWaXNpYmxlIjp0cnVlLCJXaWR0aCI6MC4wLCJIZWlnaHQiOjAuMCwiQm9yZGVyU3R5bGUiOnsiJGlkIjoiNDU1IiwiTGluZUNvbG9yIjp7IiRpZCI6IjQ1NiIsIiR0eXBlIjoiTkxSRS5Db21tb24uRG9tLlNvbGlkQ29sb3JCcnVzaCwgTkxSRS5Db21tb24iLCJDb2xvciI6eyIkaWQiOiI0NTciLCJBIjoyNTUsIlIiOjI1NSwiRyI6MCwiQiI6MH19LCJMaW5lV2VpZ2h0IjowLjAsIkxpbmVUeXBlIjowLCJQYXJlbnRTdHlsZSI6bnVsbH0sIlBhcmVudFN0eWxlIjpudWxsfSwiTWFyZ2luIjp7IiRpZCI6IjQ1OCIsIlRvcCI6MC4wLCJMZWZ0IjowLjAsIlJpZ2h0IjowLjAsIkJvdHRvbSI6MC4wfSwiUGFkZGluZyI6eyIkaWQiOiI0NTkiLCJUb3AiOjAuMCwiTGVmdCI6MC4wLCJSaWdodCI6MC4wLCJCb3R0b20iOjAuMH0sIkJhY2tncm91bmQiOm51bGwsIklzVmlzaWJsZSI6dHJ1ZSwiV2lkdGgiOjAuMCwiSGVpZ2h0IjowLjAsIkJvcmRlclN0eWxlIjpudWxsLCJQYXJlbnRTdHlsZSI6bnVsbH0sIkJhY2tncm91bmRTdHlsZSI6eyIkaWQiOiI0NjAiLCJNYXJnaW4iOnsiJGlkIjoiNDYxIiwiVG9wIjowLjAsIkxlZnQiOjAuMCwiUmlnaHQiOjAuMCwiQm90dG9tIjowLjB9LCJQYWRkaW5nIjp7IiRpZCI6IjQ2MiIsIlRvcCI6MC4wLCJMZWZ0IjowLjAsIlJpZ2h0IjowLjAsIkJvdHRvbSI6MC4wfSwiQmFja2dyb3VuZCI6eyIkaWQiOiI0NjMiLCJDb2xvciI6eyIkaWQiOiI0NjQiLCJBIjo1MSwiUiI6MTY1LCJHIjoxNjUsIkIiOjE2NX19LCJJc1Zpc2libGUiOnRydWUsIldpZHRoIjowLjAsIkhlaWdodCI6MC4wLCJCb3JkZXJTdHlsZSI6eyIkaWQiOiI0NjUiLCJMaW5lQ29sb3IiOnsiJGlkIjoiNDY2IiwiJHR5cGUiOiJOTFJFLkNvbW1vbi5Eb20uU29saWRDb2xvckJydXNoLCBOTFJFLkNvbW1vbiIsIkNvbG9yIjp7IiRpZCI6IjQ2NyIsIkEiOjI1NSwiUiI6MjU1LCJHIjowLCJCIjowfX0sIkxpbmVXZWlnaHQiOjAuMCwiTGluZVR5cGUiOjAsIlBhcmVudFN0eWxlIjpudWxsfSwiUGFyZW50U3R5bGUiOm51bGx9LCJNYXJnaW4iOnsiJGlkIjoiNDY4IiwiVG9wIjowLjAsIkxlZnQiOjAuMCwiUmlnaHQiOjAuMCwiQm90dG9tIjowLjB9LCJQYWRkaW5nIjp7IiRpZCI6IjQ2OSIsIlRvcCI6MC4wLCJMZWZ0IjowLjAsIlJpZ2h0IjowLjAsIkJvdHRvbSI6MC4wfSwiSXNWaXNpYmxlIjpmYWxzZSwiV2lkdGgiOjAuMCwiSGVpZ2h0IjowLjAsIkJvcmRlclN0eWxlIjpudWxsLCJQYXJlbnRTdHlsZSI6bnVsbH19XSwiSWQiOiJmODM4MTRkNC1kYjVmLTQ0NDYtYTY4Ni1iZjY4MDZhN2ZlYzkiLCJJbmRleCI6OCwiSGVhZGVyVGV4dCI6IkRlYnVnZ2luZyIsIlN0eWxlIjp7IiRpZCI6IjQ3MCIsIkhlYWRlclN0eWxlIjp7IiRpZCI6IjQ3MSIsIlRleHRJc1ZlcnRpY2FsIjpmYWxzZSwiVGV4dFN0eWxlIjp7IiRpZCI6IjQ3MiIsIkZvbnRTZXR0aW5ncyI6eyIkaWQiOiI0NzMiLCJGb250U2l6ZSI6MTIsIkZvbnROYW1lIjoiQ2FsaWJyaSIsIklzQm9sZCI6ZmFsc2UsIklzSXRhbGljIjpmYWxzZSwiSXNVbmRlcmxpbmVkIjpmYWxzZSwiUGFyZW50U3R5bGUiOm51bGx9LCJBdXRvU2l6ZSI6MiwiRm9yZWdyb3VuZCI6eyIkcmVmIjoiMTI2In0sIk1heFdpZHRoIjoxNjAuMCwiTWF4SGVpZ2h0IjoiSW5maW5pdHkiLCJTbWFydEZvcmVncm91bmRJc0FjdGl2ZSI6ZmFsc2UsIkhvcml6b250YWxBbGlnbm1lbnQiOjAsIlZlcnRpY2FsQWxpZ25tZW50IjowLCJTbWFydEZvcmVncm91bmQiOm51bGwsIkJhY2tncm91bmRGaWxsVHlwZSI6MCwiTWFyZ2luIjp7IiRyZWYiOiIxMjgifSwiUGFkZGluZyI6eyIkcmVmIjoiMTI5In0sIkJhY2tncm91bmQiOm51bGwsIklzVmlzaWJsZSI6dHJ1ZSwiV2lkdGgiOjAuMCwiSGVpZ2h0IjowLjAsIkJvcmRlclN0eWxlIjpudWxsLCJQYXJlbnRTdHlsZSI6bnVsbH0sIlJlY3RhbmdsZVN0eWxlIjp7IiRpZCI6IjQ3NCIsIk1hcmdpbiI6eyIkaWQiOiI0NzUiLCJUb3AiOjAuMCwiTGVmdCI6MC4wLCJSaWdodCI6MC4wLCJCb3R0b20iOjAuMH0sIlBhZGRpbmciOnsiJGlkIjoiNDc2IiwiVG9wIjowLjAsIkxlZnQiOjAuMCwiUmlnaHQiOjAuMCwiQm90dG9tIjowLjB9LCJCYWNrZ3JvdW5kIjp7IiRpZCI6IjQ3NyIsIkNvbG9yIjp7IiRpZCI6IjQ3OCIsIkEiOjI1NSwiUiI6MTY1LCJHIjoxNjUsIkIiOjE2NX19LCJJc1Zpc2libGUiOnRydWUsIldpZHRoIjowLjAsIkhlaWdodCI6MC4wLCJCb3JkZXJTdHlsZSI6eyIkaWQiOiI0NzkiLCJMaW5lQ29sb3IiOnsiJGlkIjoiNDgwIiwiJHR5cGUiOiJOTFJFLkNvbW1vbi5Eb20uU29saWRDb2xvckJydXNoLCBOTFJFLkNvbW1vbiIsIkNvbG9yIjp7IiRpZCI6IjQ4MSIsIkEiOjI1NSwiUiI6MjU1LCJHIjowLCJCIjowfX0sIkxpbmVXZWlnaHQiOjAuMCwiTGluZVR5cGUiOjAsIlBhcmVudFN0eWxlIjpudWxsfSwiUGFyZW50U3R5bGUiOm51bGx9LCJNYXJnaW4iOnsiJGlkIjoiNDgyIiwiVG9wIjowLjAsIkxlZnQiOjAuMCwiUmlnaHQiOjAuMCwiQm90dG9tIjowLjB9LCJQYWRkaW5nIjp7IiRpZCI6IjQ4MyIsIlRvcCI6MC4wLCJMZWZ0IjowLjAsIlJpZ2h0IjowLjAsIkJvdHRvbSI6MC4wfSwiQmFja2dyb3VuZCI6bnVsbCwiSXNWaXNpYmxlIjp0cnVlLCJXaWR0aCI6MC4wLCJIZWlnaHQiOjAuMCwiQm9yZGVyU3R5bGUiOm51bGwsIlBhcmVudFN0eWxlIjpudWxsfSwiQmFja2dyb3VuZFN0eWxlIjp7IiRpZCI6IjQ4NCIsIk1hcmdpbiI6eyIkaWQiOiI0ODUiLCJUb3AiOjAuMCwiTGVmdCI6MC4wLCJSaWdodCI6MC4wLCJCb3R0b20iOjAuMH0sIlBhZGRpbmciOnsiJGlkIjoiNDg2IiwiVG9wIjowLjAsIkxlZnQiOjAuMCwiUmlnaHQiOjAuMCwiQm90dG9tIjowLjB9LCJCYWNrZ3JvdW5kIjp7IiRpZCI6IjQ4NyIsIkNvbG9yIjp7IiRpZCI6IjQ4OCIsIkEiOjUxLCJSIjoxNjUsIkciOjE2NSwiQiI6MTY1fX0sIklzVmlzaWJsZSI6dHJ1ZSwiV2lkdGgiOjAuMCwiSGVpZ2h0IjowLjAsIkJvcmRlclN0eWxlIjp7IiRpZCI6IjQ4OSIsIkxpbmVDb2xvciI6eyIkaWQiOiI0OTAiLCIkdHlwZSI6Ik5MUkUuQ29tbW9uLkRvbS5Tb2xpZENvbG9yQnJ1c2gsIE5MUkUuQ29tbW9uIiwiQ29sb3IiOnsiJGlkIjoiNDkxIiwiQSI6MjU1LCJSIjoyNTUsIkciOjAsIkIiOjB9fSwiTGluZVdlaWdodCI6MC4wLCJMaW5lVHlwZSI6MCwiUGFyZW50U3R5bGUiOm51bGx9LCJQYXJlbnRTdHlsZSI6bnVsbH0sIklzQWJvdmVUaW1lYmFuZCI6ZmFsc2UsIk1hcmdpbiI6eyIkaWQiOiI0OTIiLCJUb3AiOjAuMCwiTGVmdCI6MC4wLCJSaWdodCI6MC4wLCJCb3R0b20iOjAuMH0sIlBhZGRpbmciOnsiJGlkIjoiNDkzIiwiVG9wIjowLjAsIkxlZnQiOjAuMCwiUmlnaHQiOjAuMCwiQm90dG9tIjowLjB9LCJJc1Zpc2libGUiOnRydWUsIldpZHRoIjowLjAsIkhlaWdodCI6MC4wLCJCb3JkZXJTdHlsZSI6eyIkaWQiOiI0OTQiLCJMaW5lQ29sb3IiOm51bGwsIkxpbmVXZWlnaHQiOjAuMCwiTGluZVR5cGUiOjAsIlBhcmVudFN0eWxlIjpudWxsfSwiUGFyZW50U3R5bGUiOm51bGx9fV0sIkN1bHR1cmVJbmZvTmFtZSI6ImVuLVVTIiwiU3R5bGVOYW1lIjpudWxsLCJWZXJzaW9uIjp7IiRpZCI6IjQ5NSIsIlZlcnNpb24iOiIzLjYuMSIsIk9yaWdpbmFsQXNzZW1ibHlWZXJzaW9uIjoiNi4wNi4wMi4wMCIsIkVkaXRpb24iOm51bGwsIkxhc3RTYXZlZEVkaXRpb24iOjAsIklzUGx1c0VkaXRpb24iOmZhbHNlLCJJc1Byb0VkaXRpb24iOmZhbHNlfSwiRWZmZWN0IjoxLCJTdHlsZSI6eyIkaWQiOiI0OTYiLCJUaW1lYmFuZFN0eWxlIjp7IiRpZCI6IjQ5NyIsIlNjYWxlTWFya2luZyI6MCwiU2hhcGUiOjAsIlNoYXBlU3R5bGUiOnsiJGlkIjoiNDk4IiwiTWFyZ2luIjp7IiRpZCI6IjQ5OSIsIlRvcCI6MC4wLCJMZWZ0IjoxMC4wLCJSaWdodCI6MTAuMCwiQm90dG9tIjowLjB9LCJQYWRkaW5nIjp7IiRpZCI6IjUwMCIsIlRvcCI6NS4wLCJMZWZ0IjoxMy4wLCJSaWdodCI6MTMuMCwiQm90dG9tIjo1LjB9LCJCYWNrZ3JvdW5kIjp7IiRpZCI6IjUwMSIsIkNvbG9yIjp7IiRpZCI6IjUwMiIsIkEiOjI1NSwiUiI6NjgsIkciOjg0LCJCIjoxMDZ9fSwiSXNWaXNpYmxlIjp0cnVlLCJXaWR0aCI6ODU4LjAsIkhlaWdodCI6MzAuMCwiQm9yZGVyU3R5bGUiOnsiJGlkIjoiNTAzIiwiTGluZUNvbG9yIjp7IiRpZCI6IjUwNCIsIiR0eXBlIjoiTkxSRS5Db21tb24uRG9tLlNvbGlkQ29sb3JCcnVzaCwgTkxSRS5Db21tb24iLCJDb2xvciI6eyIkaWQiOiI1MDUiLCJBIjoyNTUsIlIiOjI1NSwiRyI6MCwiQiI6MH19LCJMaW5lV2VpZ2h0IjowLjAsIkxpbmVUeXBlIjowLCJQYXJlbnRTdHlsZSI6bnVsbH0sIlBhcmVudFN0eWxlIjpudWxsfSwiTWlkZGxlVGllclNoYXBlU3R5bGUiOnsiJGlkIjoiNTA2IiwiTWFyZ2luIjp7IiRpZCI6IjUwNyIsIlRvcCI6MC4wLCJMZWZ0IjoxMC4wLCJSaWdodCI6MTAuMCwiQm90dG9tIjowLjB9LCJQYWRkaW5nIjp7IiRpZCI6IjUwOCIsIlRvcCI6NS4wLCJMZWZ0IjoxMy4wLCJSaWdodCI6MTMuMCwiQm90dG9tIjo1LjB9LCJCYWNrZ3JvdW5kIjp7IiRpZCI6IjUwOSIsIkNvbG9yIjp7IiRpZCI6IjUxMCIsIkEiOjI1NSwiUiI6NjgsIkciOjg0LCJCIjoxMDZ9fSwiSXNWaXNpYmxlIjp0cnVlLCJXaWR0aCI6ODU4LjAsIkhlaWdodCI6MzAuMCwiQm9yZGVyU3R5bGUiOnsiJGlkIjoiNTExIiwiTGluZUNvbG9yIjp7IiRpZCI6IjUxMiIsIiR0eXBlIjoiTkxSRS5Db21tb24uRG9tLlNvbGlkQ29sb3JCcnVzaCwgTkxSRS5Db21tb24iLCJDb2xvciI6eyIkaWQiOiI1MTMiLCJBIjoyNTUsIlIiOjI1NSwiRyI6MCwiQiI6MH19LCJMaW5lV2VpZ2h0IjowLjAsIkxpbmVUeXBlIjowLCJQYXJlbnRTdHlsZSI6bnVsbH0sIlBhcmVudFN0eWxlIjpudWxsfSwiQm90dG9tVGllclNoYXBlU3R5bGUiOnsiJGlkIjoiNTE0IiwiTWFyZ2luIjp7IiRpZCI6IjUxNSIsIlRvcCI6MC4wLCJMZWZ0IjoxMC4wLCJSaWdodCI6MTAuMCwiQm90dG9tIjowLjB9LCJQYWRkaW5nIjp7IiRpZCI6IjUxNiIsIlRvcCI6NS4wLCJMZWZ0IjoxMy4wLCJSaWdodCI6MTMuMCwiQm90dG9tIjo1LjB9LCJCYWNrZ3JvdW5kIjp7IiRpZCI6IjUxNyIsIkNvbG9yIjp7IiRpZCI6IjUxOCIsIkEiOjI1NSwiUiI6NjgsIkciOjg0LCJCIjoxMDZ9fSwiSXNWaXNpYmxlIjp0cnVlLCJXaWR0aCI6ODU4LjAsIkhlaWdodCI6MzAuMCwiQm9yZGVyU3R5bGUiOnsiJGlkIjoiNTE5IiwiTGluZUNvbG9yIjp7IiRpZCI6IjUyMCIsIiR0eXBlIjoiTkxSRS5Db21tb24uRG9tLlNvbGlkQ29sb3JCcnVzaCwgTkxSRS5Db21tb24iLCJDb2xvciI6eyIkaWQiOiI1MjEiLCJBIjoyNTUsIlIiOjI1NSwiRyI6MCwiQiI6MH19LCJMaW5lV2VpZ2h0IjowLjAsIkxpbmVUeXBlIjowLCJQYXJlbnRTdHlsZSI6bnVsbH0sIlBhcmVudFN0eWxlIjpudWxsfSwiUmlnaHRFbmRDYXBzU3R5bGUiOnsiJGlkIjoiNTIyIiwiRm9udFNldHRpbmdzIjp7IiRpZCI6IjUyMyIsIkZvbnRTaXplIjoxOCwiRm9udE5hbWUiOiJDYWxpYnJpIiwiSXNCb2xkIjp0cnVlLCJJc0l0YWxpYyI6ZmFsc2UsIklzVW5kZXJsaW5lZCI6ZmFsc2UsIlBhcmVudFN0eWxlIjpudWxsfSwiQXV0b1NpemUiOjAsIkZvcmVncm91bmQiOnsiJGlkIjoiNTI0IiwiQ29sb3IiOnsiJGlkIjoiNTI1IiwiQSI6MjU1LCJSIjoyMzcsIkciOjEyNSwiQiI6NDl9fSwiTWF4V2lkdGgiOiJJbmZpbml0eSIsIk1heEhlaWdodCI6IkluZmluaXR5IiwiU21hcnRGb3JlZ3JvdW5kSXNBY3RpdmUiOmZhbHNlLCJIb3Jpem9udGFsQWxpZ25tZW50IjowLCJWZXJ0aWNhbEFsaWdubWVudCI6MCwiU21hcnRGb3JlZ3JvdW5kIjpudWxsLCJCYWNrZ3JvdW5kRmlsbFR5cGUiOjAsIk1hcmdpbiI6eyIkaWQiOiI1MjYiLCJUb3AiOjAuMCwiTGVmdCI6MC4wLCJSaWdodCI6MjAuMCwiQm90dG9tIjowLjB9LCJQYWRkaW5nIjp7IiRpZCI6IjUyNyIsIlRvcCI6MC4wLCJMZWZ0IjowLjAsIlJpZ2h0IjowLjAsIkJvdHRvbSI6MC4wfSwiQmFja2dyb3VuZCI6eyIkaWQiOiI1MjgiLCJDb2xvciI6eyIkcmVmIjoiMTUifX0sIklzVmlzaWJsZSI6dHJ1ZSwiV2lkdGgiOjAuMCwiSGVpZ2h0IjowLjAsIkJvcmRlclN0eWxlIjpudWxsLCJQYXJlbnRTdHlsZSI6bnVsbH0sIkxlZnRFbmRDYXBzU3R5bGUiOnsiJGlkIjoiNTI5IiwiRm9udFNldHRpbmdzIjp7IiRpZCI6IjUzMCIsIkZvbnRTaXplIjoxOCwiRm9udE5hbWUiOiJDYWxpYnJpIiwiSXNCb2xkIjp0cnVlLCJJc0l0YWxpYyI6ZmFsc2UsIklzVW5kZXJsaW5lZCI6ZmFsc2UsIlBhcmVudFN0eWxlIjpudWxsfSwiQXV0b1NpemUiOjAsIkZvcmVncm91bmQiOnsiJGlkIjoiNTMxIiwiQ29sb3IiOnsiJGlkIjoiNTMyIiwiQSI6MjU1LCJSIjoyMzcsIkciOjEyNSwiQiI6NDl9fSwiTWF4V2lkdGgiOiJJbmZpbml0eSIsIk1heEhlaWdodCI6IkluZmluaXR5IiwiU21hcnRGb3JlZ3JvdW5kSXNBY3RpdmUiOmZhbHNlLCJIb3Jpem9udGFsQWxpZ25tZW50IjowLCJWZXJ0aWNhbEFsaWdubWVudCI6MCwiU21hcnRGb3JlZ3JvdW5kIjpudWxsLCJCYWNrZ3JvdW5kRmlsbFR5cGUiOjAsIk1hcmdpbiI6eyIkaWQiOiI1MzMiLCJUb3AiOjAuMCwiTGVmdCI6MTE1LjUwNjY2NjY2NjY2NjY2LCJSaWdodCI6MC4wLCJCb3R0b20iOjAuMH0sIlBhZGRpbmciOnsiJGlkIjoiNTM0IiwiVG9wIjowLjAsIkxlZnQiOjAuMCwiUmlnaHQiOjAuMCwiQm90dG9tIjowLjB9LCJCYWNrZ3JvdW5kIjp7IiRpZCI6IjUzNSIsIkNvbG9yIjp7IiRyZWYiOiIxNSJ9fSwiSXNWaXNpYmxlIjpmYWxzZSwiV2lkdGgiOjAuMCwiSGVpZ2h0IjowLjAsIkJvcmRlclN0eWxlIjpudWxsLCJQYXJlbnRTdHlsZSI6bnVsbH0sIlRvZGF5VGV4dFN0eWxlIjp7IiRpZCI6IjUzNiIsIkZvbnRTZXR0aW5ncyI6eyIkaWQiOiI1MzciLCJGb250U2l6ZSI6MTIsIkZvbnROYW1lIjoiQ2FsaWJyaSIsIklzQm9sZCI6ZmFsc2UsIklzSXRhbGljIjpmYWxzZSwiSXNVbmRlcmxpbmVkIjpmYWxzZSwiUGFyZW50U3R5bGUiOm51bGx9LCJBdXRvU2l6ZSI6MCwiRm9yZWdyb3VuZCI6eyIkaWQiOiI1MzgiLCJDb2xvciI6eyIkaWQiOiI1MzkiLCJBIjoyNTUsIlIiOjAsIkciOjAsIkIiOjB9fSwiTWF4V2lkdGgiOjIwMC4wLCJNYXhIZWlnaHQiOiJJbmZpbml0eSIsIlNtYXJ0Rm9yZWdyb3VuZElzQWN0aXZlIjpmYWxzZSwiSG9yaXpvbnRhbEFsaWdubWVudCI6MCwiVmVydGljYWxBbGlnbm1lbnQiOjAsIlNtYXJ0Rm9yZWdyb3VuZCI6bnVsbCwiQmFja2dyb3VuZEZpbGxUeXBlIjowLCJNYXJnaW4iOnsiJGlkIjoiNTQwIiwiVG9wIjowLjAsIkxlZnQiOjAuMCwiUmlnaHQiOjAuMCwiQm90dG9tIjowLjB9LCJQYWRkaW5nIjp7IiRpZCI6IjU0MSIsIlRvcCI6MC4wLCJMZWZ0IjowLjAsIlJpZ2h0IjowLjAsIkJvdHRvbSI6MC4wfSwiQmFja2dyb3VuZCI6eyIkaWQiOiI1NDIiLCJDb2xvciI6eyIkcmVmIjoiMTUifX0sIklzVmlzaWJsZSI6dHJ1ZSwiV2lkdGgiOjAuMCwiSGVpZ2h0IjowLjAsIkJvcmRlclN0eWxlIjpudWxsLCJQYXJlbnRTdHlsZSI6bnVsbH0sIlRvZGF5TWFya2VyU3R5bGUiOnsiJGlkIjoiNTQzIiwiTWFyZ2luIjp7IiRpZCI6IjU0NCIsIlRvcCI6MC4wLCJMZWZ0IjowLjAsIlJpZ2h0IjowLjAsIkJvdHRvbSI6MC4wfSwiUGFkZGluZyI6eyIkaWQiOiI1NDUiLCJUb3AiOjAuMCwiTGVmdCI6MC4wLCJSaWdodCI6MC4wLCJCb3R0b20iOjAuMH0sIkJhY2tncm91bmQiOnsiJGlkIjoiNTQ2IiwiQ29sb3IiOnsiJGlkIjoiNTQ3IiwiQSI6MjU1LCJSIjoyNTUsIkciOjAsIkIiOjB9fSwiSXNWaXNpYmxlIjp0cnVlLCJXaWR0aCI6MC4wLCJIZWlnaHQiOjAuMCwiQm9yZGVyU3R5bGUiOm51bGwsIlBhcmVudFN0eWxlIjpudWxsfSwiU2NhbGVTdHlsZSI6eyIkaWQiOiI1NDgiLCJTaGFwZSI6NCwiU2hvd1NlZ21lbnRTZXBhcmF0b3JzIjp0cnVlLCJTZWdtZW50U2VwYXJhdG9yT3BhY2l0eSI6MzAsIkhhc0JlZW5WaXNpYmxlQmVmb3JlIjp0cnVlLCJGb250U2V0dGluZ3MiOnsiJGlkIjoiNTQ5IiwiRm9udFNpemUiOjEyLCJGb250TmFtZSI6IkNhbGlicmkiLCJJc0JvbGQiOmZhbHNlLCJJc0l0YWxpYyI6ZmFsc2UsIklzVW5kZXJsaW5lZCI6ZmFsc2UsIlBhcmVudFN0eWxlIjpudWxsfSwiQXV0b1NpemUiOjAsIkZvcmVncm91bmQiOnsiJGlkIjoiNTUwIiwiQ29sb3IiOnsiJGlkIjoiNTUxIiwiQSI6MjU1LCJSIjoyNTUsIkciOjI1NSwiQiI6MjU1fX0sIk1heFdpZHRoIjoyMDAuMCwiTWF4SGVpZ2h0IjoiSW5maW5pdHkiLCJTbWFydEZvcmVncm91bmRJc0FjdGl2ZSI6ZmFsc2UsIkhvcml6b250YWxBbGlnbm1lbnQiOjAsIlZlcnRpY2FsQWxpZ25tZW50IjoxLCJTbWFydEZvcmVncm91bmQiOm51bGwsIkJhY2tncm91bmRGaWxsVHlwZSI6MCwiTWFyZ2luIjp7IiRpZCI6IjU1MiIsIlRvcCI6MC4wLCJMZWZ0Ijo1LjAsIlJpZ2h0IjowLjAsIkJvdHRvbSI6MC4wfSwiUGFkZGluZyI6eyIkaWQiOiI1NTMiLCJUb3AiOjAuMCwiTGVmdCI6MC4wLCJSaWdodCI6MC4wLCJCb3R0b20iOjAuMH0sIkJhY2tncm91bmQiOnsiJGlkIjoiNTU0IiwiQ29sb3IiOnsiJHJlZiI6IjE1In19LCJJc1Zpc2libGUiOnRydWUsIldpZHRoIjowLjAsIkhlaWdodCI6MC4wLCJCb3JkZXJTdHlsZSI6bnVsbCwiUGFyZW50U3R5bGUiOm51bGx9LCJTaW5nbGVTY2FsZVNoYXBlU3R5bGUiOnsiJGlkIjoiNTU1IiwiU2hhcGUiOjAsIkhlaWdodCI6MC4wfSwiTWlkZGxlVGllclNjYWxlU3R5bGUiOnsiJGlkIjoiNTU2IiwiU2hhcGUiOjQsIlNob3dTZWdtZW50U2VwYXJhdG9ycyI6dHJ1ZSwiU2VnbWVudFNlcGFyYXRvck9wYWNpdHkiOjMwLCJIYXNCZWVuVmlzaWJsZUJlZm9yZSI6ZmFsc2UsIkZvbnRTZXR0aW5ncyI6eyIkaWQiOiI1NTciLCJGb250U2l6ZSI6MTIsIkZvbnROYW1lIjoiQ2FsaWJyaSIsIklzQm9sZCI6ZmFsc2UsIklzSXRhbGljIjpmYWxzZSwiSXNVbmRlcmxpbmVkIjpmYWxzZSwiUGFyZW50U3R5bGUiOm51bGx9LCJBdXRvU2l6ZSI6MCwiRm9yZWdyb3VuZCI6eyIkaWQiOiI1NTgiLCJDb2xvciI6eyIkaWQiOiI1NTkiLCJBIjoyNTUsIlIiOjI1NSwiRyI6MjU1LCJCIjoyNTV9fSwiTWF4V2lkdGgiOjIwMC4wLCJNYXhIZWlnaHQiOiJJbmZpbml0eSIsIlNtYXJ0Rm9yZWdyb3VuZElzQWN0aXZlIjpmYWxzZSwiSG9yaXpvbnRhbEFsaWdubWVudCI6MCwiVmVydGljYWxBbGlnbm1lbnQiOjEsIlNtYXJ0Rm9yZWdyb3VuZCI6bnVsbCwiQmFja2dyb3VuZEZpbGxUeXBlIjowLCJNYXJnaW4iOnsiJGlkIjoiNTYwIiwiVG9wIjowLjAsIkxlZnQiOjUuMCwiUmlnaHQiOjAuMCwiQm90dG9tIjowLjB9LCJQYWRkaW5nIjp7IiRpZCI6IjU2MSIsIlRvcCI6MC4wLCJMZWZ0IjowLjAsIlJpZ2h0IjowLjAsIkJvdHRvbSI6MC4wfSwiQmFja2dyb3VuZCI6eyIkaWQiOiI1NjIiLCJDb2xvciI6eyIkaWQiOiI1NjMiLCJBIjowLCJSIjowLCJHIjowLCJCIjowfX0sIklzVmlzaWJsZSI6ZmFsc2UsIldpZHRoIjowLjAsIkhlaWdodCI6MC4wLCJCb3JkZXJTdHlsZSI6bnVsbCwiUGFyZW50U3R5bGUiOm51bGx9LCJCb3R0b21UaWVyU2NhbGVTdHlsZSI6eyIkaWQiOiI1NjQiLCJTaGFwZSI6NCwiU2hvd1NlZ21lbnRTZXBhcmF0b3JzIjp0cnVlLCJTZWdtZW50U2VwYXJhdG9yT3BhY2l0eSI6MzAsIkhhc0JlZW5WaXNpYmxlQmVmb3JlIjpmYWxzZSwiRm9udFNldHRpbmdzIjp7IiRpZCI6IjU2NSIsIkZvbnRTaXplIjoxMiwiRm9udE5hbWUiOiJDYWxpYnJpIiwiSXNCb2xkIjpmYWxzZSwiSXNJdGFsaWMiOmZhbHNlLCJJc1VuZGVybGluZWQiOmZhbHNlLCJQYXJlbnRTdHlsZSI6bnVsbH0sIkF1dG9TaXplIjowLCJGb3JlZ3JvdW5kIjp7IiRpZCI6IjU2NiIsIkNvbG9yIjp7IiRpZCI6IjU2NyIsIkEiOjI1NSwiUiI6MjU1LCJHIjoyNTUsIkIiOjI1NX19LCJNYXhXaWR0aCI6MjAwLjAsIk1heEhlaWdodCI6IkluZmluaXR5IiwiU21hcnRGb3JlZ3JvdW5kSXNBY3RpdmUiOmZhbHNlLCJIb3Jpem9udGFsQWxpZ25tZW50IjowLCJWZXJ0aWNhbEFsaWdubWVudCI6MSwiU21hcnRGb3JlZ3JvdW5kIjpudWxsLCJCYWNrZ3JvdW5kRmlsbFR5cGUiOjAsIk1hcmdpbiI6eyIkaWQiOiI1NjgiLCJUb3AiOjAuMCwiTGVmdCI6NS4wLCJSaWdodCI6MC4wLCJCb3R0b20iOjAuMH0sIlBhZGRpbmciOnsiJGlkIjoiNTY5IiwiVG9wIjowLjAsIkxlZnQiOjAuMCwiUmlnaHQiOjAuMCwiQm90dG9tIjowLjB9LCJCYWNrZ3JvdW5kIjp7IiRpZCI6IjU3MCIsIkNvbG9yIjp7IiRpZCI6IjU3MSIsIkEiOjAsIlIiOjAsIkciOjAsIkIiOjB9fSwiSXNWaXNpYmxlIjpmYWxzZSwiV2lkdGgiOjAuMCwiSGVpZ2h0IjowLjAsIkJvcmRlclN0eWxlIjpudWxsLCJQYXJlbnRTdHlsZSI6bnVsbH0sIkVsYXBzZWRUaW1lQmFja2dyb3VuZCI6eyIkaWQiOiI1NzIiLCJDb2xvciI6eyIkaWQiOiI1NzMiLCJBIjo3NywiUiI6MjU1LCJHIjowLCJCIjowfX0sIkFwcGVuZFllYXJPblllYXJDaGFuZ2UiOnRydWUsIkVsYXBzZWRUaW1lRm9ybWF0IjoxLCJUb2RheU1hcmtlclBvc2l0aW9uIjozLCJRdWlja1Bvc2l0aW9uIjozLCJBYnNvbHV0ZVBvc2l0aW9uIjoyNDAuMCwiTWFyZ2luIjp7IiRpZCI6IjU3NCIsIlRvcCI6MC4wLCJMZWZ0IjoxMC4wLCJSaWdodCI6MTAuMCwiQm90dG9tIjowLjB9LCJQYWRkaW5nIjp7IiRpZCI6IjU3NSIsIlRvcCI6MC4wLCJMZWZ0IjowLjAsIlJpZ2h0IjowLjAsIkJvdHRvbSI6MC4wfSwiQmFja2dyb3VuZCI6eyIkaWQiOiI1NzYiLCJDb2xvciI6eyIkaWQiOiI1NzciLCJBIjoyNTUsIlIiOjExNSwiRyI6MTE1LCJCIjoxMTV9fSwiSXNWaXNpYmxlIjp0cnVlLCJXaWR0aCI6MC4wLCJIZWlnaHQiOjAuMCwiQm9yZGVyU3R5bGUiOm51bGwsIlBhcmVudFN0eWxlIjpudWxsfSwiRGVmYXVsdE1pbGVzdG9uZVN0eWxlIjp7IiRpZCI6IjU3OCIsIlNoYXBlIjowLCJDb25uZWN0b3JNYXJnaW4iOnsiJGlkIjoiNTc5IiwiVG9wIjowLjAsIkxlZnQiOjIuMCwiUmlnaHQiOjIuMCwiQm90dG9tIjowLjB9LCJDb25uZWN0b3JTdHlsZSI6eyIkaWQiOiI1ODAiLCJMaW5lQ29sb3IiOnsiJGlkIjoiNTgxIiwiJHR5cGUiOiJOTFJFLkNvbW1vbi5Eb20uU29saWRDb2xvckJydXNoLCBOTFJFLkNvbW1vbiIsIkNvbG9yIjp7IiRpZCI6IjU4MiIsIkEiOjEyNywiUiI6MzEsIkciOjczLCJCIjoxMjZ9fSwiTGluZVdlaWdodCI6MS4wLCJMaW5lVHlwZSI6MCwiUGFyZW50U3R5bGUiOm51bGx9LCJJc0JlbG93VGltZWJhbmQiOmZhbHNlLCJQb3NpdGlvbk9uVGFzayI6MCwiSGlkZURhdGUiOmZhbHNlLCJTaGFwZVNpemUiOjEsIlNwYWNpbmciOjIuMCwiUGFkZGluZyI6eyIkaWQiOiI1ODMiLCJUb3AiOjcuMCwiTGVmdCI6My4wLCJSaWdodCI6MC4wLCJCb3R0b20iOjIuMH0sIlNoYXBlU3R5bGUiOnsiJGlkIjoiNTg0IiwiTWFyZ2luIjp7IiRpZCI6IjU4NSIsIlRvcCI6MC4wLCJMZWZ0IjowLjAsIlJpZ2h0IjowLjAsIkJvdHRvbSI6MC4wfSwiUGFkZGluZyI6eyIkaWQiOiI1ODYiLCJUb3AiOjAuMCwiTGVmdCI6MC4wLCJSaWdodCI6MC4wLCJCb3R0b20iOjAuMH0sIkJhY2tncm91bmQiOnsiJGlkIjoiNTg3IiwiQ29sb3IiOnsiJGlkIjoiNTg4IiwiQSI6MjU1LCJSIjowLCJHIjoxMTQsIkIiOjE4OH19LCJJc1Zpc2libGUiOnRydWUsIldpZHRoIjoxOC4wLCJIZWlnaHQiOjIwLjAsIkJvcmRlclN0eWxlIjp7IiRpZCI6IjU4OSIsIkxpbmVDb2xvciI6eyIkaWQiOiI1OTAiLCIkdHlwZSI6Ik5MUkUuQ29tbW9uLkRvbS5Tb2xpZENvbG9yQnJ1c2gsIE5MUkUuQ29tbW9uIiwiQ29sb3IiOnsiJGlkIjoiNTkxIiwiQSI6MjU1LCJSIjoyNTUsIkciOjAsIkIiOjB9fSwiTGluZVdlaWdodCI6MC4wLCJMaW5lVHlwZSI6MCwiUGFyZW50U3R5bGUiOm51bGx9LCJQYXJlbnRTdHlsZSI6bnVsbH0sIlRpdGxlU3R5bGUiOnsiJGlkIjoiNTkyIiwiRm9udFNldHRpbmdzIjp7IiRpZCI6IjU5MyIsIkZvbnRTaXplIjoxMSwiRm9udE5hbWUiOiJDYWxpYnJpIiwiSXNCb2xkIjp0cnVlLCJJc0l0YWxpYyI6ZmFsc2UsIklzVW5kZXJsaW5lZCI6ZmFsc2UsIlBhcmVudFN0eWxlIjpudWxsfSwiQXV0b1NpemUiOjAsIkZvcmVncm91bmQiOnsiJGlkIjoiNTk0IiwiQ29sb3IiOnsiJGlkIjoiNTk1IiwiQSI6MjU1LCJSIjowLCJHIjowLCJCIjowfX0sIk1heFdpZHRoIjoyMDAuMCwiTWF4SGVpZ2h0IjoiSW5maW5pdHkiLCJTbWFydEZvcmVncm91bmRJc0FjdGl2ZSI6ZmFsc2UsIkhvcml6b250YWxBbGlnbm1lbnQiOjEsIlZlcnRpY2FsQWxpZ25tZW50IjowLCJTbWFydEZvcmVncm91bmQiOm51bGwsIkJhY2tncm91bmRGaWxsVHlwZSI6MCwiTWFyZ2luIjp7IiRpZCI6IjU5NiIsIlRvcCI6MC4wLCJMZWZ0IjowLjAsIlJpZ2h0IjowLjAsIkJvdHRvbSI6MC4wfSwiUGFkZGluZyI6eyIkaWQiOiI1OTciLCJUb3AiOjAuMCwiTGVmdCI6MC4wLCJSaWdodCI6MC4wLCJCb3R0b20iOjAuMH0sIkJhY2tncm91bmQiOnsiJGlkIjoiNTk4IiwiQ29sb3IiOnsiJHJlZiI6IjE1In19LCJJc1Zpc2libGUiOnRydWUsIldpZHRoIjowLjAsIkhlaWdodCI6MC4wLCJCb3JkZXJTdHlsZSI6bnVsbCwiUGFyZW50U3R5bGUiOm51bGx9LCJEYXRlU3R5bGUiOnsiJGlkIjoiNTk5IiwiRm9udFNldHRpbmdzIjp7IiRpZCI6IjYwMCIsIkZvbnRTaXplIjoxMCwiRm9udE5hbWUiOiJDYWxpYnJpIiwiSXNCb2xkIjpmYWxzZSwiSXNJdGFsaWMiOmZhbHNlLCJJc1VuZGVybGluZWQiOmZhbHNlLCJQYXJlbnRTdHlsZSI6bnVsbH0sIkF1dG9TaXplIjowLCJGb3JlZ3JvdW5kIjp7IiRpZCI6IjYwMSIsIkNvbG9yIjp7IiRpZCI6IjYwMiIsIkEiOjI1NSwiUiI6NjgsIkciOjg0LCJCIjoxMDZ9fSwiTWF4V2lkdGgiOjIwMC4wLCJNYXhIZWlnaHQiOiJJbmZpbml0eSIsIlNtYXJ0Rm9yZWdyb3VuZElzQWN0aXZlIjpmYWxzZSwiSG9yaXpvbnRhbEFsaWdubWVudCI6MCwiVmVydGljYWxBbGlnbm1lbnQiOjAsIlNtYXJ0Rm9yZWdyb3VuZCI6bnVsbCwiQmFja2dyb3VuZEZpbGxUeXBlIjowLCJNYXJnaW4iOnsiJGlkIjoiNjAzIiwiVG9wIjowLjAsIkxlZnQiOjAuMCwiUmlnaHQiOjAuMCwiQm90dG9tIjowLjB9LCJQYWRkaW5nIjp7IiRpZCI6IjYwNCIsIlRvcCI6MC4wLCJMZWZ0IjowLjAsIlJpZ2h0IjowLjAsIkJvdHRvbSI6MC4wfSwiQmFja2dyb3VuZCI6eyIkaWQiOiI2MDUiLCJDb2xvciI6eyIkcmVmIjoiMTUifX0sIklzVmlzaWJsZSI6dHJ1ZSwiV2lkdGgiOjAuMCwiSGVpZ2h0IjowLjAsIkJvcmRlclN0eWxlIjpudWxsLCJQYXJlbnRTdHlsZSI6bnVsbH0sIkRhdGVGb3JtYXQiOnsiJGlkIjoiNjA2IiwiRm9ybWF0U3RyaW5nIjoiTU1NIGQiLCJTZXBhcmF0b3IiOiIvIiwiVXNlSW50ZXJuYXRpb25hbERhdGVGb3JtYXQiOmZhbHNlLCJEYXRlSXNWaXNpYmxlIjp0cnVlLCJUaW1lSXNWaXNpYmxlIjpmYWxzZSwiSG91ckRpZ2l0cyI6MSwiQW1QbURlc2lnbmF0b3IiOjIsIlRyaW0wME1pbnV0ZXMiOmZhbHNlLCJMYXN0S25vd25WaXNpYmlsaXR5U3RhdGUiOm51bGx9LCJXZWVrTnVtYmVyaW5nIjp7IiRpZCI6IjYwNyIsIkZvcm1hdCI6MCwiSXNWaXNpYmxlIjpmYWxzZSwiTGFzdEtub3duVmlzaWJpbGl0eVN0YXRlIjpmYWxzZX0sIklzVmlzaWJsZSI6dHJ1ZSwiUGFyZW50U3R5bGUiOm51bGx9LCJEZWZhdWx0VGFza1N0eWxlIjp7IiRpZCI6IjYwOCIsIlNoYXBlIjoyLCJTaGFwZVRoaWNrbmVzcyI6MSwiRHVyYXRpb25Gb3JtYXQiOjAsIkluY2x1ZGVOb25Xb3JraW5nRGF5c0luRHVyYXRpb24iOmZhbHNlLCJQZXJjZW50YWdlQ29tcGxldGVTdHlsZSI6eyIkaWQiOiI2MDkiLCJGb250U2V0dGluZ3MiOnsiJGlkIjoiNjEwIiwiRm9udFNpemUiOjEwLCJGb250TmFtZSI6IkNhbGlicmkiLCJJc0JvbGQiOmZhbHNlLCJJc0l0YWxpYyI6ZmFsc2UsIklzVW5kZXJsaW5lZCI6ZmFsc2UsIlBhcmVudFN0eWxlIjpudWxsfSwiQXV0b1NpemUiOjAsIkZvcmVncm91bmQiOnsiJHJlZiI6IjEwIn0sIk1heFdpZHRoIjoyMDAuMCwiTWF4SGVpZ2h0IjoiSW5maW5pdHkiLCJTbWFydEZvcmVncm91bmRJc0FjdGl2ZSI6ZmFsc2UsIkhvcml6b250YWxBbGlnbm1lbnQiOjAsIlZlcnRpY2FsQWxpZ25tZW50IjowLCJTbWFydEZvcmVncm91bmQiOm51bGwsIkJhY2tncm91bmRGaWxsVHlwZSI6MCwiTWFyZ2luIjp7IiRyZWYiOiIxMiJ9LCJQYWRkaW5nIjp7IiRyZWYiOiIxMyJ9LCJCYWNrZ3JvdW5kIjp7IiRyZWYiOiIxNCJ9LCJJc1Zpc2libGUiOnRydWUsIldpZHRoIjowLjAsIkhlaWdodCI6MC4wLCJCb3JkZXJTdHlsZSI6bnVsbCwiUGFyZW50U3R5bGUiOm51bGx9LCJEdXJhdGlvblN0eWxlIjp7IiRpZCI6IjYxMSIsIkZvbnRTZXR0aW5ncyI6eyIkaWQiOiI2MTIiLCJGb250U2l6ZSI6MTAsIkZvbnROYW1lIjoiQ2FsaWJyaSIsIklzQm9sZCI6ZmFsc2UsIklzSXRhbGljIjpmYWxzZSwiSXNVbmRlcmxpbmVkIjpmYWxzZSwiUGFyZW50U3R5bGUiOm51bGx9LCJBdXRvU2l6ZSI6MCwiRm9yZWdyb3VuZCI6eyIkcmVmIjoiMTkifSwiTWF4V2lkdGgiOjIwMC4wLCJNYXhIZWlnaHQiOiJJbmZpbml0eSIsIlNtYXJ0Rm9yZWdyb3VuZElzQWN0aXZlIjpmYWxzZSwiSG9yaXpvbnRhbEFsaWdubWVudCI6MCwiVmVydGljYWxBbGlnbm1lbnQiOjAsIlNtYXJ0Rm9yZWdyb3VuZCI6bnVsbCwiQmFja2dyb3VuZEZpbGxUeXBlIjowLCJNYXJnaW4iOnsiJHJlZiI6IjIxIn0sIlBhZGRpbmciOnsiJHJlZiI6IjIyIn0sIkJhY2tncm91bmQiOnsiJHJlZiI6IjIzIn0sIklzVmlzaWJsZSI6dHJ1ZSwiV2lkdGgiOjAuMCwiSGVpZ2h0IjowLjAsIkJvcmRlclN0eWxlIjpudWxsLCJQYXJlbnRTdHlsZSI6bnVsbH0sIkhvcml6b250YWxDb25uZWN0b3JTdHlsZSI6eyIkaWQiOiI2MTMiLCJMaW5lQ29sb3IiOnsiJHJlZiI6IjI2In0sIkxpbmVXZWlnaHQiOjEuMCwiTGluZVR5cGUiOjAsIlBhcmVudFN0eWxlIjpudWxsfSwiVmVydGljYWxDb25uZWN0b3JTdHlsZSI6eyIkaWQiOiI2MTQiLCJMaW5lQ29sb3IiOnsiJHJlZiI6IjI5In0sIkxpbmVXZWlnaHQiOjAuMCwiTGluZVR5cGUiOjAsIlBhcmVudFN0eWxlIjpudWxsfSwiTWFyZ2luIjpudWxsLCJTdGFydERhdGVQb3NpdGlvbiI6MywiRW5kRGF0ZVBvc2l0aW9uIjo0LCJEYXRlSXNWaXNpYmxlIjp0cnVlLCJUaXRsZVBvc2l0aW9uIjoyLCJEdXJhdGlvblBvc2l0aW9uIjo2LCJQZXJjZW50YWdlQ29tcGxldGVkUG9zaXRpb24iOjYsIlNwYWNpbmciOjUsIklzQmVsb3dUaW1lYmFuZCI6dHJ1ZSwiUGVyY2VudGFnZUNvbXBsZXRlU2hhcGVPcGFjaXR5IjozNSwiU2hhcGVTdHlsZSI6eyIkaWQiOiI2MTUiLCJNYXJnaW4iOnsiJHJlZiI6IjMyIn0sIlBhZGRpbmciOnsiJHJlZiI6IjMzIn0sIkJhY2tncm91bmQiOnsiJGlkIjoiNjE2IiwiQ29sb3IiOnsiJGlkIjoiNjE3IiwiQSI6MjU1LCJSIjowLCJHIjoxMTQsIkIiOjE4OH19LCJJc1Zpc2libGUiOnRydWUsIldpZHRoIjowLjAsIkhlaWdodCI6MTYuMCwiQm9yZGVyU3R5bGUiOnsiJGlkIjoiNjE4IiwiTGluZUNvbG9yIjp7IiRpZCI6IjYxOSIsIiR0eXBlIjoiTkxSRS5Db21tb24uRG9tLlNvbGlkQ29sb3JCcnVzaCwgTkxSRS5Db21tb24iLCJDb2xvciI6eyIkaWQiOiI2MjAiLCJBIjoyNTUsIlIiOjI1NSwiRyI6MCwiQiI6MH19LCJMaW5lV2VpZ2h0IjowLjAsIkxpbmVUeXBlIjowLCJQYXJlbnRTdHlsZSI6bnVsbH0sIlBhcmVudFN0eWxlIjpudWxsfSwiVGl0bGVTdHlsZSI6eyIkaWQiOiI2MjEiLCJGb250U2V0dGluZ3MiOnsiJGlkIjoiNjIyIiwiRm9udFNpemUiOjExLCJGb250TmFtZSI6IkNhbGlicmkiLCJJc0JvbGQiOnRydWUsIklzSXRhbGljIjpmYWxzZSwiSXNVbmRlcmxpbmVkIjpmYWxzZSwiUGFyZW50U3R5bGUiOm51bGx9LCJBdXRvU2l6ZSI6MCwiRm9yZWdyb3VuZCI6eyIkaWQiOiI2MjMiLCJDb2xvciI6eyIkaWQiOiI2MjQiLCJBIjoyNTUsIlIiOjAsIkciOjAsIkIiOjB9fSwiTWF4V2lkdGgiOjk2MC4wLCJNYXhIZWlnaHQiOiJJbmZpbml0eSIsIlNtYXJ0Rm9yZWdyb3VuZElzQWN0aXZlIjpmYWxzZSwiSG9yaXpvbnRhbEFsaWdubWVudCI6MSwiVmVydGljYWxBbGlnbm1lbnQiOjAsIlNtYXJ0Rm9yZWdyb3VuZCI6bnVsbCwiQmFja2dyb3VuZEZpbGxUeXBlIjowLCJNYXJnaW4iOnsiJHJlZiI6IjQzIn0sIlBhZGRpbmciOnsiJHJlZiI6IjQ0In0sIkJhY2tncm91bmQiOnsiJGlkIjoiNjI1IiwiQ29sb3IiOnsiJHJlZiI6IjE1In19LCJJc1Zpc2libGUiOnRydWUsIldpZHRoIjowLjAsIkhlaWdodCI6MC4wLCJCb3JkZXJTdHlsZSI6bnVsbCwiUGFyZW50U3R5bGUiOm51bGx9LCJEYXRlU3R5bGUiOnsiJGlkIjoiNjI2IiwiRm9udFNldHRpbmdzIjp7IiRpZCI6IjYyNyIsIkZvbnRTaXplIjoxMCwiRm9udE5hbWUiOiJDYWxpYnJpIiwiSXNCb2xkIjpmYWxzZSwiSXNJdGFsaWMiOmZhbHNlLCJJc1VuZGVybGluZWQiOmZhbHNlLCJQYXJlbnRTdHlsZSI6bnVsbH0sIkF1dG9TaXplIjowLCJGb3JlZ3JvdW5kIjp7IiRpZCI6IjYyOCIsIkNvbG9yIjp7IiRpZCI6IjYyOSIsIkEiOjI1NSwiUiI6NjgsIkciOjg0LCJCIjoxMDZ9fSwiTWF4V2lkdGgiOjIwMC4wLCJNYXhIZWlnaHQiOiJJbmZpbml0eSIsIlNtYXJ0Rm9yZWdyb3VuZElzQWN0aXZlIjpmYWxzZSwiSG9yaXpvbnRhbEFsaWdubWVudCI6MSwiVmVydGljYWxBbGlnbm1lbnQiOjAsIlNtYXJ0Rm9yZWdyb3VuZCI6bnVsbCwiQmFja2dyb3VuZEZpbGxUeXBlIjowLCJNYXJnaW4iOnsiJHJlZiI6IjUyIn0sIlBhZGRpbmciOnsiJHJlZiI6IjUzIn0sIkJhY2tncm91bmQiOnsiJGlkIjoiNjMwIiwiQ29sb3IiOnsiJHJlZiI6IjE1In19LCJJc1Zpc2libGUiOnRydWUsIldpZHRoIjowLjAsIkhlaWdodCI6MC4wLCJCb3JkZXJTdHlsZSI6bnVsbCwiUGFyZW50U3R5bGUiOm51bGx9LCJEYXRlRm9ybWF0Ijp7IiRpZCI6IjYzMSIsIkZvcm1hdFN0cmluZyI6Ik1NTSBkIiwiU2VwYXJhdG9yIjoiLyIsIlVzZUludGVybmF0aW9uYWxEYXRlRm9ybWF0IjpmYWxzZSwiRGF0ZUlzVmlzaWJsZSI6dHJ1ZSwiVGltZUlzVmlzaWJsZSI6ZmFsc2UsIkhvdXJEaWdpdHMiOjEsIkFtUG1EZXNpZ25hdG9yIjoyLCJUcmltMDBNaW51dGVzIjpmYWxzZSwiTGFzdEtub3duVmlzaWJpbGl0eVN0YXRlIjpudWxsfSwiV2Vla051bWJlcmluZyI6eyIkaWQiOiI2MzIiLCJGb3JtYXQiOjAsIklzVmlzaWJsZSI6ZmFsc2UsIkxhc3RLbm93blZpc2liaWxpdHlTdGF0ZSI6ZmFsc2V9LCJJc1Zpc2libGUiOnRydWUsIlBhcmVudFN0eWxlIjpudWxsLCJfZXhwbGljaXRseVNldCI6eyIkaWQiOiI2MzMiLCJTaGFwZVN0eWxlIjpmYWxzZSwiVGl0bGVTdHlsZSI6ZmFsc2UsIkRhdGVTdHlsZSI6ZmFsc2UsIkhvcml6b250YWxDb25uZWN0b3JTdHlsZSI6ZmFsc2UsIlZlcnRpY2FsQ29ubmVjdG9yU3R5bGUiOmZhbHNlLCJQZXJjZW50YWdlQ29tcGxldGVTaGFwZU9wYWNpdHkiOmZhbHNlLCJTaGFwZSI6ZmFsc2UsIlNoYXBlVGhpY2tuZXNzIjpmYWxzZSwiRHVyYXRpb25Gb3JtYXQiOmZhbHNlLCJJbmNsdWRlTm9uV29ya2luZ0RheXNJbkR1cmF0aW9uIjpmYWxzZSwiTWFyZ2luIjpmYWxzZSwiU3RhcnREYXRlUG9zaXRpb24iOmZhbHNlLCJFbmREYXRlUG9zaXRpb24iOmZhbHNlLCJUaXRsZVBvc2l0aW9uIjpmYWxzZSwiRHVyYXRpb25Qb3NpdGlvbiI6ZmFsc2UsIlBlcmNlbnRhZ2VDb21wbGV0ZWRQb3NpdGlvbiI6ZmFsc2UsIlNwYWNpbmciOmZhbHNlLCJJc0JlbG93VGltZWJhbmQiOmZhbHNlLCJEYXRlRm9ybWF0IjpmYWxzZSwiV2Vla051bWJlcmluZyI6ZmFsc2UsIklzVmlzaWJsZSI6ZmFsc2V9fSwiR3JpZGxpbmVQYW5lbFN0eWxlIjp7IiRpZCI6IjYzNCIsIkdyaWRsaW5lU3R5bGUiOnsiJGlkIjoiNjM1IiwiTGluZUNvbG9yIjp7IiRpZCI6IjYzNiIsIiR0eXBlIjoiTkxSRS5Db21tb24uRG9tLlNvbGlkQ29sb3JCcnVzaCwgTkxSRS5Db21tb24iLCJDb2xvciI6eyIkaWQiOiI2MzciLCJBIjozOCwiUiI6OTEsIkciOjE1NSwiQiI6MjEzfX0sIkxpbmVXZWlnaHQiOjEuMCwiTGluZVR5cGUiOjAsIlBhcmVudFN0eWxlIjpudWxsfSwiTWFyZ2luIjp7IiRpZCI6IjYzOCIsIlRvcCI6MC4wLCJMZWZ0IjowLjAsIlJpZ2h0IjowLjAsIkJvdHRvbSI6MC4wfSwiUGFkZGluZyI6eyIkaWQiOiI2MzkiLCJUb3AiOjAuMCwiTGVmdCI6MC4wLCJSaWdodCI6MC4wLCJCb3R0b20iOjAuMH0sIkJhY2tncm91bmQiOm51bGwsIklzVmlzaWJsZSI6dHJ1ZSwiV2lkdGgiOjAuMCwiSGVpZ2h0IjowLjAsIkJvcmRlclN0eWxlIjp7IiRpZCI6IjY0MCIsIkxpbmVDb2xvciI6bnVsbCwiTGluZVdlaWdodCI6MC4wLCJMaW5lVHlwZSI6MCwiUGFyZW50U3R5bGUiOm51bGx9LCJQYXJlbnRTdHlsZSI6bnVsbH0sIkFjdGl2aXR5TGluZVBhbmVsU3R5bGUiOnsiJGlkIjoiNjQxIiwiQWN0aXZpdHlMaW5lU3R5bGUiOnsiJGlkIjoiNjQyIiwiTGluZUNvbG9yIjp7IiRpZCI6IjY0MyIsIiR0eXBlIjoiTkxSRS5Db21tb24uRG9tLlNvbGlkQ29sb3JCcnVzaCwgTkxSRS5Db21tb24iLCJDb2xvciI6eyIkaWQiOiI2NDQiLCJBIjozOCwiUiI6NjgsIkciOjExNCwiQiI6MTk2fX0sIkxpbmVXZWlnaHQiOjEuMCwiTGluZVR5cGUiOjAsIlBhcmVudFN0eWxlIjpudWxsfSwiTWFyZ2luIjp7IiRpZCI6IjY0NSIsIlRvcCI6MC4wLCJMZWZ0IjowLjAsIlJpZ2h0IjowLjAsIkJvdHRvbSI6MC4wfSwiUGFkZGluZyI6eyIkaWQiOiI2NDYiLCJUb3AiOjAuMCwiTGVmdCI6MC4wLCJSaWdodCI6MC4wLCJCb3R0b20iOjAuMH0sIkJhY2tncm91bmQiOm51bGwsIklzVmlzaWJsZSI6dHJ1ZSwiV2lkdGgiOjAuMCwiSGVpZ2h0IjowLjAsIkJvcmRlclN0eWxlIjp7IiRpZCI6IjY0NyIsIkxpbmVDb2xvciI6bnVsbCwiTGluZVdlaWdodCI6MC4wLCJMaW5lVHlwZSI6MCwiUGFyZW50U3R5bGUiOm51bGx9LCJQYXJlbnRTdHlsZSI6bnVsbH0sIlNob3dFbGFwc2VkVGltZUdyYWRpZW50U3R5bGUiOmZhbHNlLCJUaW1lYmFuZFJlc2VydmVkTGVmdEFyZWFTdHlsZSI6eyIkaWQiOiI2NDgiLCJBY3Rpdml0eUhlYWRlcldpZHRoIjo3Ni4wLCJJc1NldCI6ZmFsc2V9LCJEZWZhdWx0U3dpbWxhbmVTdHlsZSI6bnVsbH0sIlNjYWxlIjpudWxsLCJTY2FsZVYyIjp7IiRpZCI6IjY0OSIsIlN0YXJ0RGF0ZSI6IjAwMDEtMDEtMDFUMDA6MDA6MDAiLCJFbmREYXRlIjoiMjAyMi0wNi0zMFQyMzo1OTowMCIsIkF1dG9EYXRlUmFuZ2UiOnRydWUsIldvcmtpbmdEYXlzIjozMSwiRmlzY2FsWWVhciI6eyIkaWQiOiI2NTAiLCJTdGFydE1vbnRoIjoxLCJVc2VTdGFydGluZ1llYXJGb3JOdW1iZXJpbmciOnRydWUsIlNob3dGaXNjYWxZZWFyTGFiZWwiOnRydWV9LCJUb2RheU1hcmtlclRleHQiOiJUb2RheSIsIkF1dG9TY2FsZVR5cGUiOnRydWUsIlRpbWViYW5kU2NhbGVzIjp7IiRpZCI6IjY1MSIsIlRvcFNjYWxlTGF5ZXIiOnsiJGlkIjoiNjUyIiwiRm9ybWF0IjoiZCIsIlR5cGUiOjB9LCJNaWRkbGVTY2FsZUxheWVyIjp7IiRpZCI6IjY1MyIsIkZvcm1hdCI6bnVsbCwiVHlwZSI6MH0sIkJvdHRvbVNjYWxlTGF5ZXIiOnsiJGlkIjoiNjU0IiwiRm9ybWF0IjpudWxsLCJUeXBlIjowfX19LCJNaWxlc3RvbmVzIjpbXSwiVGFza3MiOltdLCJTd2ltbGFuZXMiOltdLCJNc1Byb2plY3RJdGVtc1RyZWUiOnsiJGlkIjoiNjU1IiwiUm9vdCI6eyJJbXBvcnRJZCI6bnVsbCwiSXNJbXBvcnRlZCI6ZmFsc2UsIkNoaWxkcmVuIjpbXX19LCJNZXRhZGF0YSI6eyIkaWQiOiI2NTYiLCJTb3VyY2VUZW1wbGF0ZSI6IntcIiRpZFwiOlwiMVwiLFwiSWRcIjpcImMxMWY2ZjQ5LTdkYjgtNDVmZC1iYTMyLWJmY2FlYTQ5MmYzOVwiLFwiQ3VsdHVyZUluZm9OYW1lXCI6XCJlbi1VU1wiLFwiVmVyc2lvblwiOntcIiRpZFwiOlwiMlwiLFwiVGVtcGxhdGVEb21WZXJzaW9uXCI6XCIxLjIuMFwifSxcIkVmZmVjdFwiOjEsXCJTdHlsZVwiOntcIiRpZFwiOlwiM1wiLFwiVGltZWJhbmRTdHlsZVwiOntcIiRpZFwiOlwiNFwiLFwiU2NhbGVNYXJraW5nXCI6MCxcIlNoYXBlXCI6MTMsXCJTaGFwZVN0eWxlXCI6e1wiJGlkXCI6XCI1XCIsXCJNYXJnaW5cIjp7XCIkaWRcIjpcIjZcIixcIlRvcFwiOjAuMCxcIkxlZnRcIjoxMC4wLFwiUmlnaHRcIjoxMC4wLFwiQm90dG9tXCI6MC4wfSxcIlBhZGRpbmdcIjp7XCIkaWRcIjpcIjdcIixcIlRvcFwiOjUuMCxcIkxlZnRcIjoxMy4wLFwiUmlnaHRcIjoxMy4wLFwiQm90dG9tXCI6NS4wfSxcIkJhY2tncm91bmRcIjp7XCIkaWRcIjpcIjhcIixcIkNvbG9yXCI6e1wiJGlkXCI6XCI5XCIsXCJBXCI6MjU1LFwiUlwiOjY4LFwiR1wiOjg0LFwiQlwiOjEwNn19LFwiSXNWaXNpYmxlXCI6dHJ1ZSxcIldpZHRoXCI6ODU4LjAsXCJIZWlnaHRcIjozMC4wLFwiQm9yZGVyU3R5bGVcIjp7XCIkaWRcIjpcIjEwXCIsXCJMaW5lQ29sb3JcIjp7XCIkaWRcIjpcIjExXCIsXCIkdHlwZVwiOlwiTkxSRS5Db21tb24uRG9tLlNvbGlkQ29sb3JCcnVzaCwgTkxSRS5Db21tb25cIixcIkNvbG9yXCI6e1wiJGlkXCI6XCIxMlwiLFwiQVwiOjI1NSxcIlJcIjoyNTUsXCJHXCI6MCxcIkJcIjowfX0sXCJMaW5lV2VpZ2h0XCI6MC4wLFwiTGluZVR5cGVcIjowfX0sXCJNaWRkbGVUaWVyU2hhcGVTdHlsZVwiOntcIiRpZFwiOlwiMTNcIixcIk1hcmdpblwiOntcIiRpZFwiOlwiMTRcIixcIlRvcFwiOjAuMCxcIkxlZnRcIjoxMC4wLFwiUmlnaHRcIjoxMC4wLFwiQm90dG9tXCI6MC4wfSxcIlBhZGRpbmdcIjp7XCIkaWRcIjpcIjE1XCIsXCJUb3BcIjo1LjAsXCJMZWZ0XCI6MTMuMCxcIlJpZ2h0XCI6MTMuMCxcIkJvdHRvbVwiOjUuMH0sXCJCYWNrZ3JvdW5kXCI6e1wiJGlkXCI6XCIxNlwiLFwiQ29sb3JcIjp7XCIkaWRcIjpcIjE3XCIsXCJBXCI6MjU1LFwiUlwiOjY4LFwiR1wiOjg0LFwiQlwiOjEwNn19LFwiSXNWaXNpYmxlXCI6dHJ1ZSxcIldpZHRoXCI6ODU4LjAsXCJIZWlnaHRcIjozMC4wLFwiQm9yZGVyU3R5bGVcIjp7XCIkaWRcIjpcIjE4XCIsXCJMaW5lQ29sb3JcIjp7XCIkaWRcIjpcIjE5XCIsXCIkdHlwZVwiOlwiTkxSRS5Db21tb24uRG9tLlNvbGlkQ29sb3JCcnVzaCwgTkxSRS5Db21tb25cIixcIkNvbG9yXCI6e1wiJGlkXCI6XCIyMFwiLFwiQVwiOjI1NSxcIlJcIjoyNTUsXCJHXCI6MCxcIkJcIjowfX0sXCJMaW5lV2VpZ2h0XCI6MC4wLFwiTGluZVR5cGVcIjowfX0sXCJCb3R0b21UaWVyU2hhcGVTdHlsZVwiOntcIiRpZFwiOlwiMjFcIixcIk1hcmdpblwiOntcIiRpZFwiOlwiMjJcIixcIlRvcFwiOjAuMCxcIkxlZnRcIjoxMC4wLFwiUmlnaHRcIjoxMC4wLFwiQm90dG9tXCI6MC4wfSxcIlBhZGRpbmdcIjp7XCIkaWRcIjpcIjIzXCIsXCJUb3BcIjo1LjAsXCJMZWZ0XCI6MTMuMCxcIlJpZ2h0XCI6MTMuMCxcIkJvdHRvbVwiOjUuMH0sXCJCYWNrZ3JvdW5kXCI6e1wiJGlkXCI6XCIyNFwiLFwiQ29sb3JcIjp7XCIkaWRcIjpcIjI1XCIsXCJBXCI6MjU1LFwiUlwiOjY4LFwiR1wiOjg0LFwiQlwiOjEwNn19LFwiSXNWaXNpYmxlXCI6dHJ1ZSxcIldpZHRoXCI6ODU4LjAsXCJIZWlnaHRcIjozMC4wLFwiQm9yZGVyU3R5bGVcIjp7XCIkaWRcIjpcIjI2XCIsXCJMaW5lQ29sb3JcIjp7XCIkaWRcIjpcIjI3XCIsXCIkdHlwZVwiOlwiTkxSRS5Db21tb24uRG9tLlNvbGlkQ29sb3JCcnVzaCwgTkxSRS5Db21tb25cIixcIkNvbG9yXCI6e1wiJGlkXCI6XCIyOFwiLFwiQVwiOjI1NSxcIlJcIjoyNTUsXCJHXCI6MCxcIkJcIjowfX0sXCJMaW5lV2VpZ2h0XCI6MC4wLFwiTGluZVR5cGVcIjowfX0sXCJSaWdodEVuZENhcHNTdHlsZVwiOntcIiRpZFwiOlwiMjlcIixcIkZvbnRTZXR0aW5nc1wiOntcIiRpZFwiOlwiMzBcIixcIkZvbnRTaXplXCI6MTgsXCJGb250TmFtZVwiOlwiQ2FsaWJyaVwiLFwiSXNCb2xkXCI6dHJ1ZSxcIklzSXRhbGljXCI6ZmFsc2UsXCJJc1VuZGVybGluZWRcIjpmYWxzZX0sXCJBdXRvU2l6ZVwiOjAsXCJGb3JlZ3JvdW5kXCI6e1wiJGlkXCI6XCIzMVwiLFwiQ29sb3JcIjp7XCIkaWRcIjpcIjMyXCIsXCJBXCI6MjU1LFwiUlwiOjIzNyxcIkdcIjoxMjUsXCJCXCI6NDl9fSxcIkJhY2tncm91bmRGaWxsVHlwZVwiOjAsXCJNYXhXaWR0aFwiOlwiSW5maW5pdHlcIixcIk1heEhlaWdodFwiOlwiSW5maW5pdHlcIixcIlNtYXJ0Rm9yZWdyb3VuZElzQWN0aXZlXCI6ZmFsc2UsXCJIb3Jpem9udGFsQWxpZ25tZW50XCI6MCxcIlZlcnRpY2FsQWxpZ25tZW50XCI6MCxcIlNtYXJ0Rm9yZWdyb3VuZFwiOm51bGwsXCJNYXJnaW5cIjp7XCIkaWRcIjpcIjMzXCIsXCJUb3BcIjowLjAsXCJMZWZ0XCI6MC4wLFwiUmlnaHRcIjoyMC4wLFwiQm90dG9tXCI6MC4wfSxcIlBhZGRpbmdcIjp7XCIkaWRcIjpcIjM0XCIsXCJUb3BcIjowLjAsXCJMZWZ0XCI6MC4wLFwiUmlnaHRcIjowLjAsXCJCb3R0b21cIjowLjB9LFwiQmFja2dyb3VuZFwiOntcIiRpZFwiOlwiMzVcIixcIkNvbG9yXCI6e1wiJGlkXCI6XCIzNlwiLFwiQVwiOjAsXCJSXCI6MCxcIkdcIjowLFwiQlwiOjB9fSxcIklzVmlzaWJsZVwiOnRydWUsXCJXaWR0aFwiOjAuMCxcIkhlaWdodFwiOjAuMCxcIkJvcmRlclN0eWxlXCI6bnVsbH0sXCJMZWZ0RW5kQ2Fwc1N0eWxlXCI6e1wiJGlkXCI6XCIzN1wiLFwiRm9udFNldHRpbmdzXCI6e1wiJGlkXCI6XCIzOFwiLFwiRm9udFNpemVcIjoxOCxcIkZvbnROYW1lXCI6XCJDYWxpYnJpXCIsXCJJc0JvbGRcIjp0cnVlLFwiSXNJdGFsaWNcIjpmYWxzZSxcIklzVW5kZXJsaW5lZFwiOmZhbHNlfSxcIkF1dG9TaXplXCI6MCxcIkZvcmVncm91bmRcIjp7XCIkaWRcIjpcIjM5XCIsXCJDb2xvclwiOntcIiRpZFwiOlwiNDBcIixcIkFcIjoyNTUsXCJSXCI6MjM3LFwiR1wiOjEyNSxcIkJcIjo0OX19LFwiQmFja2dyb3VuZEZpbGxUeXBlXCI6MCxcIk1heFdpZHRoXCI6XCJJbmZpbml0eVwiLFwiTWF4SGVpZ2h0XCI6XCJJbmZpbml0eVwiLFwiU21hcnRGb3JlZ3JvdW5kSXNBY3RpdmVcIjpmYWxzZSxcIkhvcml6b250YWxBbGlnbm1lbnRcIjowLFwiVmVydGljYWxBbGlnbm1lbnRcIjowLFwiU21hcnRGb3JlZ3JvdW5kXCI6bnVsbCxcIk1hcmdpblwiOntcIiRpZFwiOlwiNDFcIixcIlRvcFwiOjAuMCxcIkxlZnRcIjoyMC4wLFwiUmlnaHRcIjowLjAsXCJCb3R0b21cIjowLjB9LFwiUGFkZGluZ1wiOntcIiRpZFwiOlwiNDJcIixcIlRvcFwiOjAuMCxcIkxlZnRcIjowLjAsXCJSaWdodFwiOjAuMCxcIkJvdHRvbVwiOjAuMH0sXCJCYWNrZ3JvdW5kXCI6e1wiJGlkXCI6XCI0M1wiLFwiQ29sb3JcIjp7XCIkcmVmXCI6XCIzNlwifX0sXCJJc1Zpc2libGVcIjpmYWxzZSxcIldpZHRoXCI6MC4wLFwiSGVpZ2h0XCI6MC4wLFwiQm9yZGVyU3R5bGVcIjpudWxsfSxcIlRvZGF5VGV4dFN0eWxlXCI6e1wiJGlkXCI6XCI0NFwiLFwiRm9udFNldHRpbmdzXCI6e1wiJGlkXCI6XCI0NVwiLFwiRm9udFNpemVcIjoxMixcIkZvbnROYW1lXCI6XCJDYWxpYnJpXCIsXCJJc0JvbGRcIjpmYWxzZSxcIklzSXRhbGljXCI6ZmFsc2UsXCJJc1VuZGVybGluZWRcIjpmYWxzZX0sXCJBdXRvU2l6ZVwiOjAsXCJGb3JlZ3JvdW5kXCI6e1wiJGlkXCI6XCI0NlwiLFwiQ29sb3JcIjp7XCIkaWRcIjpcIjQ3XCIsXCJBXCI6MjU1LFwiUlwiOjAsXCJHXCI6MCxcIkJcIjowfX0sXCJCYWNrZ3JvdW5kRmlsbFR5cGVcIjowLFwiTWF4V2lkdGhcIjoyMDAuMCxcIk1heEhlaWdodFwiOlwiSW5maW5pdHlcIixcIlNtYXJ0Rm9yZWdyb3VuZElzQWN0aXZlXCI6ZmFsc2UsXCJIb3Jpem9udGFsQWxpZ25tZW50XCI6MCxcIlZlcnRpY2FsQWxpZ25tZW50XCI6MCxcIlNtYXJ0Rm9yZWdyb3VuZFwiOm51bGwsXCJNYXJnaW5cIjp7XCIkaWRcIjpcIjQ4XCIsXCJUb3BcIjowLjAsXCJMZWZ0XCI6MC4wLFwiUmlnaHRcIjowLjAsXCJCb3R0b21cIjowLjB9LFwiUGFkZGluZ1wiOntcIiRpZFwiOlwiNDlcIixcIlRvcFwiOjAuMCxcIkxlZnRcIjowLjAsXCJSaWdodFwiOjAuMCxcIkJvdHRvbVwiOjAuMH0sXCJCYWNrZ3JvdW5kXCI6e1wiJGlkXCI6XCI1MFwiLFwiQ29sb3JcIjp7XCIkcmVmXCI6XCIzNlwifX0sXCJJc1Zpc2libGVcIjp0cnVlLFwiV2lkdGhcIjowLjAsXCJIZWlnaHRcIjowLjAsXCJCb3JkZXJTdHlsZVwiOm51bGx9LFwiVG9kYXlNYXJrZXJTdHlsZVwiOntcIiRpZFwiOlwiNTFcIixcIk1hcmdpblwiOntcIiRpZFwiOlwiNTJcIixcIlRvcFwiOjAuMCxcIkxlZnRcIjowLjAsXCJSaWdodFwiOjAuMCxcIkJvdHRvbVwiOjAuMH0sXCJQYWRkaW5nXCI6e1wiJGlkXCI6XCI1M1wiLFwiVG9wXCI6MC4wLFwiTGVmdFwiOjAuMCxcIlJpZ2h0XCI6MC4wLFwiQm90dG9tXCI6MC4wfSxcIkJhY2tncm91bmRcIjp7XCIkaWRcIjpcIjU0XCIsXCJDb2xvclwiOntcIiRpZFwiOlwiNTVcIixcIkFcIjoyNTUsXCJSXCI6MjU1LFwiR1wiOjAsXCJCXCI6MH19LFwiSXNWaXNpYmxlXCI6dHJ1ZSxcIldpZHRoXCI6MC4wLFwiSGVpZ2h0XCI6MC4wLFwiQm9yZGVyU3R5bGVcIjpudWxsfSxcIlNjYWxlU3R5bGVcIjp7XCIkaWRcIjpcIjU2XCIsXCJTaG93U2VnbWVudFNlcGFyYXRvcnNcIjp0cnVlLFwiU2VnbWVudFNlcGFyYXRvck9wYWNpdHlcIjozMCxcIlNoYXBlXCI6NCxcIkhhc0JlZW5WaXNpYmxlQmVmb3JlXCI6dHJ1ZSxcIkZvbnRTZXR0aW5nc1wiOntcIiRpZFwiOlwiNTdcIixcIkZvbnRTaXplXCI6MTIsXCJGb250TmFtZVwiOlwiQ2FsaWJyaVwiLFwiSXNCb2xkXCI6ZmFsc2UsXCJJc0l0YWxpY1wiOmZhbHNlLFwiSXNVbmRlcmxpbmVkXCI6ZmFsc2V9LFwiQXV0b1NpemVcIjowLFwiRm9yZWdyb3VuZFwiOntcIiRpZFwiOlwiNThcIixcIkNvbG9yXCI6e1wiJGlkXCI6XCI1OVwiLFwiQVwiOjI1NSxcIlJcIjoyNTUsXCJHXCI6MjU1LFwiQlwiOjI1NX19LFwiQmFja2dyb3VuZEZpbGxUeXBlXCI6MCxcIk1heFdpZHRoXCI6MjAwLjAsXCJNYXhIZWlnaHRcIjpcIkluZmluaXR5XCIsXCJTbWFydEZvcmVncm91bmRJc0FjdGl2ZVwiOmZhbHNlLFwiSG9yaXpvbnRhbEFsaWdubWVudFwiOjAsXCJWZXJ0aWNhbEFsaWdubWVudFwiOjEsXCJTbWFydEZvcmVncm91bmRcIjpudWxsLFwiTWFyZ2luXCI6e1wiJGlkXCI6XCI2MFwiLFwiVG9wXCI6MC4wLFwiTGVmdFwiOjUuMCxcIlJpZ2h0XCI6MC4wLFwiQm90dG9tXCI6MC4wfSxcIlBhZGRpbmdcIjp7XCIkaWRcIjpcIjYxXCIsXCJUb3BcIjowLjAsXCJMZWZ0XCI6MC4wLFwiUmlnaHRcIjowLjAsXCJCb3R0b21cIjowLjB9LFwiQmFja2dyb3VuZFwiOntcIiRpZFwiOlwiNjJcIixcIkNvbG9yXCI6e1wiJHJlZlwiOlwiMzZcIn19LFwiSXNWaXNpYmxlXCI6dHJ1ZSxcIldpZHRoXCI6MC4wLFwiSGVpZ2h0XCI6MC4wLFwiQm9yZGVyU3R5bGVcIjpudWxsfSxcIk1pZGRsZVRpZXJTY2FsZVN0eWxlXCI6e1wiJGlkXCI6XCI2M1wiLFwiU2hvd1NlZ21lbnRTZXBhcmF0b3JzXCI6dHJ1ZSxcIlNlZ21lbnRTZXBhcmF0b3JPcGFjaXR5XCI6MzAsXCJTaGFwZVwiOjQsXCJIYXNCZWVuVmlzaWJsZUJlZm9yZVwiOmZhbHNlLFwiRm9udFNldHRpbmdzXCI6e1wiJGlkXCI6XCI2NFwiLFwiRm9udFNpemVcIjoxMixcIkZvbnROYW1lXCI6XCJDYWxpYnJpXCIsXCJJc0JvbGRcIjpmYWxzZSxcIklzSXRhbGljXCI6ZmFsc2UsXCJJc1VuZGVybGluZWRcIjpmYWxzZX0sXCJBdXRvU2l6ZVwiOjAsXCJGb3JlZ3JvdW5kXCI6e1wiJGlkXCI6XCI2NVwiLFwiQ29sb3JcIjp7XCIkaWRcIjpcIjY2XCIsXCJBXCI6MjU1LFwiUlwiOjI1NSxcIkdcIjoyNTUsXCJCXCI6MjU1fX0sXCJCYWNrZ3JvdW5kRmlsbFR5cGVcIjowLFwiTWF4V2lkdGhcIjoyMDAuMCxcIk1heEhlaWdodFwiOlwiSW5maW5pdHlcIixcIlNtYXJ0Rm9yZWdyb3VuZElzQWN0aXZlXCI6ZmFsc2UsXCJIb3Jpem9udGFsQWxpZ25tZW50XCI6MCxcIlZlcnRpY2FsQWxpZ25tZW50XCI6MSxcIlNtYXJ0Rm9yZWdyb3VuZFwiOm51bGwsXCJNYXJnaW5cIjp7XCIkaWRcIjpcIjY3XCIsXCJUb3BcIjowLjAsXCJMZWZ0XCI6NS4wLFwiUmlnaHRcIjowLjAsXCJCb3R0b21cIjowLjB9LFwiUGFkZGluZ1wiOntcIiRpZFwiOlwiNjhcIixcIlRvcFwiOjAuMCxcIkxlZnRcIjowLjAsXCJSaWdodFwiOjAuMCxcIkJvdHRvbVwiOjAuMH0sXCJCYWNrZ3JvdW5kXCI6e1wiJGlkXCI6XCI2OVwiLFwiQ29sb3JcIjp7XCIkaWRcIjpcIjcwXCIsXCJBXCI6MCxcIlJcIjowLFwiR1wiOjAsXCJCXCI6MH19LFwiSXNWaXNpYmxlXCI6ZmFsc2UsXCJXaWR0aFwiOjAuMCxcIkhlaWdodFwiOjAuMCxcIkJvcmRlclN0eWxlXCI6bnVsbH0sXCJCb3R0b21UaWVyU2NhbGVTdHlsZVwiOntcIiRpZFwiOlwiNzFcIixcIlNob3dTZWdtZW50U2VwYXJhdG9yc1wiOnRydWUsXCJTZWdtZW50U2VwYXJhdG9yT3BhY2l0eVwiOjMwLFwiU2hhcGVcIjo0LFwiSGFzQmVlblZpc2libGVCZWZvcmVcIjpmYWxzZSxcIkZvbnRTZXR0aW5nc1wiOntcIiRpZFwiOlwiNzJcIixcIkZvbnRTaXplXCI6MTIsXCJGb250TmFtZVwiOlwiQ2FsaWJyaVwiLFwiSXNCb2xkXCI6ZmFsc2UsXCJJc0l0YWxpY1wiOmZhbHNlLFwiSXNVbmRlcmxpbmVkXCI6ZmFsc2V9LFwiQXV0b1NpemVcIjowLFwiRm9yZWdyb3VuZFwiOntcIiRpZFwiOlwiNzNcIixcIkNvbG9yXCI6e1wiJGlkXCI6XCI3NFwiLFwiQVwiOjI1NSxcIlJcIjoyNTUsXCJHXCI6MjU1LFwiQlwiOjI1NX19LFwiQmFja2dyb3VuZEZpbGxUeXBlXCI6MCxcIk1heFdpZHRoXCI6MjAwLjAsXCJNYXhIZWlnaHRcIjpcIkluZmluaXR5XCIsXCJTbWFydEZvcmVncm91bmRJc0FjdGl2ZVwiOmZhbHNlLFwiSG9yaXpvbnRhbEFsaWdubWVudFwiOjAsXCJWZXJ0aWNhbEFsaWdubWVudFwiOjEsXCJTbWFydEZvcmVncm91bmRcIjpudWxsLFwiTWFyZ2luXCI6e1wiJGlkXCI6XCI3NVwiLFwiVG9wXCI6MC4wLFwiTGVmdFwiOjUuMCxcIlJpZ2h0XCI6MC4wLFwiQm90dG9tXCI6MC4wfSxcIlBhZGRpbmdcIjp7XCIkaWRcIjpcIjc2XCIsXCJUb3BcIjowLjAsXCJMZWZ0XCI6MC4wLFwiUmlnaHRcIjowLjAsXCJCb3R0b21cIjowLjB9LFwiQmFja2dyb3VuZFwiOntcIiRpZFwiOlwiNzdcIixcIkNvbG9yXCI6e1wiJGlkXCI6XCI3OFwiLFwiQVwiOjAsXCJSXCI6MCxcIkdcIjowLFwiQlwiOjB9fSxcIklzVmlzaWJsZVwiOmZhbHNlLFwiV2lkdGhcIjowLjAsXCJIZWlnaHRcIjowLjAsXCJCb3JkZXJTdHlsZVwiOm51bGx9LFwiU2luZ2xlU2NhbGVTaGFwZVN0eWxlXCI6bnVsbCxcIkVsYXBzZWRUaW1lQmFja2dyb3VuZFwiOntcIiRpZFwiOlwiNzlcIixcIkNvbG9yXCI6e1wiJGlkXCI6XCI4MFwiLFwiQVwiOjc3LFwiUlwiOjI1NSxcIkdcIjowLFwiQlwiOjB9fSxcIkFwcGVuZFllYXJPblllYXJDaGFuZ2VcIjp0cnVlLFwiRWxhcHNlZFRpbWVGb3JtYXRcIjoxLFwiVG9kYXlNYXJrZXJQb3NpdGlvblwiOjMsXCJRdWlja1Bvc2l0aW9uXCI6MSxcIkFic29sdXRlUG9zaXRpb25cIjoyNDAuMCxcIk1hcmdpblwiOntcIiRpZFwiOlwiODFcIixcIlRvcFwiOjAuMCxcIkxlZnRcIjoxMC4wLFwiUmlnaHRcIjoxMC4wLFwiQm90dG9tXCI6MC4wfSxcIlBhZGRpbmdcIjp7XCIkaWRcIjpcIjgyXCIsXCJUb3BcIjowLjAsXCJMZWZ0XCI6MC4wLFwiUmlnaHRcIjowLjAsXCJCb3R0b21cIjowLjB9LFwiQmFja2dyb3VuZFwiOntcIiRpZFwiOlwiODNcIixcIkNvbG9yXCI6e1wiJGlkXCI6XCI4NFwiLFwiQVwiOjI1NSxcIlJcIjoxMTUsXCJHXCI6MTE1LFwiQlwiOjExNX19LFwiSXNWaXNpYmxlXCI6dHJ1ZSxcIldpZHRoXCI6MC4wLFwiSGVpZ2h0XCI6MC4wLFwiQm9yZGVyU3R5bGVcIjpudWxsfSxcIkRlZmF1bHRNaWxlc3RvbmVTdHlsZVwiOntcIiRpZFwiOlwiODVcIixcIlNoYXBlXCI6MCxcIkNvbm5lY3Rvck1hcmdpblwiOntcIiRpZFwiOlwiODZcIixcIlRvcFwiOjAuMCxcIkxlZnRcIjoyLjAsXCJSaWdodFwiOjIuMCxcIkJvdHRvbVwiOjAuMH0sXCJDb25uZWN0b3JTdHlsZVwiOntcIiRpZFwiOlwiODdcIixcIkxpbmVDb2xvclwiOntcIiRpZFwiOlwiODhcIixcIiR0eXBlXCI6XCJOTFJFLkNvbW1vbi5Eb20uU29saWRDb2xvckJydXNoLCBOTFJFLkNvbW1vblwiLFwiQ29sb3JcIjp7XCIkaWRcIjpcIjg5XCIsXCJBXCI6MTI3LFwiUlwiOjMxLFwiR1wiOjczLFwiQlwiOjEyNn19LFwiTGluZVdlaWdodFwiOjEuMCxcIkxpbmVUeXBlXCI6MH0sXCJJc0JlbG93VGltZWJhbmRcIjpmYWxzZSxcIkhpZGVEYXRlXCI6ZmFsc2UsXCJTaGFwZVNpemVcIjoxLFwiU3BhY2luZ1wiOjIuMCxcIlBhZGRpbmdcIjp7XCIkaWRcIjpcIjkwXCIsXCJUb3BcIjo3LjAsXCJMZWZ0XCI6My4wLFwiUmlnaHRcIjowLjAsXCJCb3R0b21cIjoyLjB9LFwiUG9zaXRpb25cIjpudWxsLFwiUG9zaXRpb25PblRhc2tcIjowLFwiU2hhcGVTdHlsZVwiOntcIiRpZFwiOlwiOTFcIixcIk1hcmdpblwiOntcIiRpZFwiOlwiOTJcIixcIlRvcFwiOjAuMCxcIkxlZnRcIjowLjAsXCJSaWdodFwiOjAuMCxcIkJvdHRvbVwiOjAuMH0sXCJQYWRkaW5nXCI6e1wiJGlkXCI6XCI5M1wiLFwiVG9wXCI6MC4wLFwiTGVmdFwiOjAuMCxcIlJpZ2h0XCI6MC4wLFwiQm90dG9tXCI6MC4wfSxcIkJhY2tncm91bmRcIjp7XCIkaWRcIjpcIjk0XCIsXCJDb2xvclwiOntcIiRpZFwiOlwiOTVcIixcIkFcIjoyNTUsXCJSXCI6MCxcIkdcIjoxMTQsXCJCXCI6MTg4fX0sXCJJc1Zpc2libGVcIjp0cnVlLFwiV2lkdGhcIjoxOC4wLFwiSGVpZ2h0XCI6MjAuMCxcIkJvcmRlclN0eWxlXCI6e1wiJGlkXCI6XCI5NlwiLFwiTGluZUNvbG9yXCI6e1wiJGlkXCI6XCI5N1wiLFwiJHR5cGVcIjpcIk5MUkUuQ29tbW9uLkRvbS5Tb2xpZENvbG9yQnJ1c2gsIE5MUkUuQ29tbW9uXCIsXCJDb2xvclwiOntcIiRpZFwiOlwiOThcIixcIkFcIjoyNTUsXCJSXCI6MjU1LFwiR1wiOjAsXCJCXCI6MH19LFwiTGluZVdlaWdodFwiOjAuMCxcIkxpbmVUeXBlXCI6MH19LFwiVGl0bGVTdHlsZVwiOntcIiRpZFwiOlwiOTlcIixcIkZvbnRTZXR0aW5nc1wiOntcIiRpZFwiOlwiMTAwXCIsXCJGb250U2l6ZVwiOjExLFwiRm9udE5hbWVcIjpcIkNhbGlicmlcIixcIklzQm9sZFwiOnRydWUsXCJJc0l0YWxpY1wiOmZhbHNlLFwiSXNVbmRlcmxpbmVkXCI6ZmFsc2V9LFwiQXV0b1NpemVcIjowLFwiRm9yZWdyb3VuZFwiOntcIiRpZFwiOlwiMTAxXCIsXCJDb2xvclwiOntcIiRpZFwiOlwiMTAyXCIsXCJBXCI6MjU1LFwiUlwiOjAsXCJHXCI6MCxcIkJcIjowfX0sXCJCYWNrZ3JvdW5kRmlsbFR5cGVcIjowLFwiTWF4V2lkdGhcIjoyMDAuMCxcIk1heEhlaWdodFwiOlwiSW5maW5pdHlcIixcIlNtYXJ0Rm9yZWdyb3VuZElzQWN0aXZlXCI6ZmFsc2UsXCJIb3Jpem9udGFsQWxpZ25tZW50XCI6MSxcIlZlcnRpY2FsQWxpZ25tZW50XCI6MCxcIlNtYXJ0Rm9yZWdyb3VuZFwiOm51bGwsXCJNYXJnaW5cIjp7XCIkaWRcIjpcIjEwM1wiLFwiVG9wXCI6MC4wLFwiTGVmdFwiOjAuMCxcIlJpZ2h0XCI6MC4wLFwiQm90dG9tXCI6MC4wfSxcIlBhZGRpbmdcIjp7XCIkaWRcIjpcIjEwNFwiLFwiVG9wXCI6MC4wLFwiTGVmdFwiOjAuMCxcIlJpZ2h0XCI6MC4wLFwiQm90dG9tXCI6MC4wfSxcIkJhY2tncm91bmRcIjp7XCIkaWRcIjpcIjEwNVwiLFwiQ29sb3JcIjp7XCIkcmVmXCI6XCIzNlwifX0sXCJJc1Zpc2libGVcIjp0cnVlLFwiV2lkdGhcIjowLjAsXCJIZWlnaHRcIjowLjAsXCJCb3JkZXJTdHlsZVwiOm51bGx9LFwiRGF0ZVN0eWxlXCI6e1wiJGlkXCI6XCIxMDZcIixcIkZvbnRTZXR0aW5nc1wiOntcIiRpZFwiOlwiMTA3XCIsXCJGb250U2l6ZVwiOjEwLFwiRm9udE5hbWVcIjpcIkNhbGlicmlcIixcIklzQm9sZFwiOmZhbHNlLFwiSXNJdGFsaWNcIjpmYWxzZSxcIklzVW5kZXJsaW5lZFwiOmZhbHNlfSxcIkF1dG9TaXplXCI6MCxcIkZvcmVncm91bmRcIjp7XCIkaWRcIjpcIjEwOFwiLFwiQ29sb3JcIjp7XCIkaWRcIjpcIjEwOVwiLFwiQVwiOjI1NSxcIlJcIjo2OCxcIkdcIjo4NCxcIkJcIjoxMDZ9fSxcIkJhY2tncm91bmRGaWxsVHlwZVwiOjAsXCJNYXhXaWR0aFwiOjIwMC4wLFwiTWF4SGVpZ2h0XCI6XCJJbmZpbml0eVwiLFwiU21hcnRGb3JlZ3JvdW5kSXNBY3RpdmVcIjpmYWxzZSxcIkhvcml6b250YWxBbGlnbm1lbnRcIjowLFwiVmVydGljYWxBbGlnbm1lbnRcIjowLFwiU21hcnRGb3JlZ3JvdW5kXCI6bnVsbCxcIk1hcmdpblwiOntcIiRpZFwiOlwiMTEwXCIsXCJUb3BcIjowLjAsXCJMZWZ0XCI6MC4wLFwiUmlnaHRcIjowLjAsXCJCb3R0b21cIjowLjB9LFwiUGFkZGluZ1wiOntcIiRpZFwiOlwiMTExXCIsXCJUb3BcIjowLjAsXCJMZWZ0XCI6MC4wLFwiUmlnaHRcIjowLjAsXCJCb3R0b21cIjowLjB9LFwiQmFja2dyb3VuZFwiOntcIiRpZFwiOlwiMTEyXCIsXCJDb2xvclwiOntcIiRyZWZcIjpcIjM2XCJ9fSxcIklzVmlzaWJsZVwiOnRydWUsXCJXaWR0aFwiOjAuMCxcIkhlaWdodFwiOjAuMCxcIkJvcmRlclN0eWxlXCI6bnVsbH0sXCJEYXRlRm9ybWF0XCI6e1wiJGlkXCI6XCIxMTNcIixcIkZvcm1hdFN0cmluZ1wiOlwiTU1NIGRcIixcIlNlcGFyYXRvclwiOlwiL1wiLFwiVXNlSW50ZXJuYXRpb25hbERhdGVGb3JtYXRcIjpmYWxzZSxcIkRhdGVJc1Zpc2libGVcIjp0cnVlLFwiVGltZUlzVmlzaWJsZVwiOmZhbHNlLFwiSG91ckRpZ2l0c1wiOjEsXCJBbVBtRGVzaWduYXRvclwiOjIsXCJUcmltMDBNaW51dGVzXCI6ZmFsc2UsXCJMYXN0S25vd25WaXNpYmlsaXR5U3RhdGVcIjpudWxsfSxcIklzVmlzaWJsZVwiOnRydWV9LFwiRGVmYXVsdFRhc2tTdHlsZVwiOntcIiRpZFwiOlwiMTE0XCIsXCJTaGFwZVwiOjIsXCJTaGFwZVRoaWNrbmVzc1wiOjEsXCJEdXJhdGlvbkZvcm1hdFwiOjAsXCJQZXJjZW50YWdlQ29tcGxldGVTdHlsZVwiOntcIiRpZFwiOlwiMTE1XCIsXCJGb250U2V0dGluZ3NcIjp7XCIkaWRcIjpcIjExNlwiLFwiRm9udFNpemVcIjoxMCxcIkZvbnROYW1lXCI6XCJDYWxpYnJpXCIsXCJJc0JvbGRcIjpmYWxzZSxcIklzSXRhbGljXCI6ZmFsc2UsXCJJc1VuZGVybGluZWRcIjpmYWxzZX0sXCJBdXRvU2l6ZVwiOjAsXCJGb3JlZ3JvdW5kXCI6e1wiJGlkXCI6XCIxMTdcIixcIkNvbG9yXCI6e1wiJGlkXCI6XCIxMThcIixcIkFcIjoyNTUsXCJSXCI6MjM3LFwiR1wiOjEyNSxcIkJcIjo0OX19LFwiQmFja2dyb3VuZEZpbGxUeXBlXCI6MCxcIk1heFdpZHRoXCI6MjAwLjAsXCJNYXhIZWlnaHRcIjpcIkluZmluaXR5XCIsXCJTbWFydEZvcmVncm91bmRJc0FjdGl2ZVwiOmZhbHNlLFwiSG9yaXpvbnRhbEFsaWdubWVudFwiOjAsXCJWZXJ0aWNhbEFsaWdubWVudFwiOjAsXCJTbWFydEZvcmVncm91bmRcIjpudWxsLFwiTWFyZ2luXCI6e1wiJGlkXCI6XCIxMTlcIixcIlRvcFwiOjAuMCxcIkxlZnRcIjowLjAsXCJSaWdodFwiOjAuMCxcIkJvdHRvbVwiOjAuMH0sXCJQYWRkaW5nXCI6e1wiJGlkXCI6XCIxMjBcIixcIlRvcFwiOjAuMCxcIkxlZnRcIjowLjAsXCJSaWdodFwiOjAuMCxcIkJvdHRvbVwiOjAuMH0sXCJCYWNrZ3JvdW5kXCI6e1wiJGlkXCI6XCIxMjFcIixcIkNvbG9yXCI6e1wiJHJlZlwiOlwiMzZcIn19LFwiSXNWaXNpYmxlXCI6dHJ1ZSxcIldpZHRoXCI6MC4wLFwiSGVpZ2h0XCI6MC4wLFwiQm9yZGVyU3R5bGVcIjpudWxsfSxcIkR1cmF0aW9uU3R5bGVcIjp7XCIkaWRcIjpcIjEyMlwiLFwiRm9udFNldHRpbmdzXCI6e1wiJGlkXCI6XCIxMjNcIixcIkZvbnRTaXplXCI6MTAsXCJGb250TmFtZVwiOlwiQ2FsaWJyaVwiLFwiSXNCb2xkXCI6ZmFsc2UsXCJJc0l0YWxpY1wiOmZhbHNlLFwiSXNVbmRlcmxpbmVkXCI6ZmFsc2V9LFwiQXV0b1NpemVcIjowLFwiRm9yZWdyb3VuZFwiOntcIiRpZFwiOlwiMTI0XCIsXCJDb2xvclwiOntcIiRpZFwiOlwiMTI1XCIsXCJBXCI6MjU1LFwiUlwiOjIzNyxcIkdcIjoxMjUsXCJCXCI6NDl9fSxcIkJhY2tncm91bmRGaWxsVHlwZVwiOjAsXCJNYXhXaWR0aFwiOjIwMC4wLFwiTWF4SGVpZ2h0XCI6XCJJbmZpbml0eVwiLFwiU21hcnRGb3JlZ3JvdW5kSXNBY3RpdmVcIjpmYWxzZSxcIkhvcml6b250YWxBbGlnbm1lbnRcIjowLFwiVmVydGljYWxBbGlnbm1lbnRcIjowLFwiU21hcnRGb3JlZ3JvdW5kXCI6bnVsbCxcIk1hcmdpblwiOntcIiRpZFwiOlwiMTI2XCIsXCJUb3BcIjowLjAsXCJMZWZ0XCI6MC4wLFwiUmlnaHRcIjowLjAsXCJCb3R0b21cIjowLjB9LFwiUGFkZGluZ1wiOntcIiRpZFwiOlwiMTI3XCIsXCJUb3BcIjowLjAsXCJMZWZ0XCI6MC4wLFwiUmlnaHRcIjowLjAsXCJCb3R0b21cIjowLjB9LFwiQmFja2dyb3VuZFwiOntcIiRpZFwiOlwiMTI4XCIsXCJDb2xvclwiOntcIiRyZWZcIjpcIjM2XCJ9fSxcIklzVmlzaWJsZVwiOnRydWUsXCJXaWR0aFwiOjAuMCxcIkhlaWdodFwiOjAuMCxcIkJvcmRlclN0eWxlXCI6bnVsbH0sXCJIb3Jpem9udGFsQ29ubmVjdG9yU3R5bGVcIjp7XCIkaWRcIjpcIjEyOVwiLFwiTGluZUNvbG9yXCI6e1wiJGlkXCI6XCIxMzBcIixcIiR0eXBlXCI6XCJOTFJFLkNvbW1vbi5Eb20uU29saWRDb2xvckJydXNoLCBOTFJFLkNvbW1vblwiLFwiQ29sb3JcIjp7XCIkaWRcIjpcIjEzMVwiLFwiQVwiOjI1NSxcIlJcIjoyMDQsXCJHXCI6MjA0LFwiQlwiOjIwNH19LFwiTGluZVdlaWdodFwiOjEuMCxcIkxpbmVUeXBlXCI6MH0sXCJWZXJ0aWNhbENvbm5lY3RvclN0eWxlXCI6e1wiJGlkXCI6XCIxMzJcIixcIkxpbmVDb2xvclwiOntcIiRpZFwiOlwiMTMzXCIsXCIkdHlwZVwiOlwiTkxSRS5Db21tb24uRG9tLlNvbGlkQ29sb3JCcnVzaCwgTkxSRS5Db21tb25cIixcIkNvbG9yXCI6e1wiJGlkXCI6XCIxMzRcIixcIkFcIjoyNTUsXCJSXCI6MjA0LFwiR1wiOjIwNCxcIkJcIjoyMDR9fSxcIkxpbmVXZWlnaHRcIjowLjAsXCJMaW5lVHlwZVwiOjB9LFwiTWFyZ2luXCI6bnVsbCxcIlN0YXJ0RGF0ZVBvc2l0aW9uXCI6MyxcIkVuZERhdGVQb3NpdGlvblwiOjQsXCJUaXRsZVBvc2l0aW9uXCI6MixcIkR1cmF0aW9uUG9zaXRpb25cIjo2LFwiUGVyY2VudGFnZUNvbXBsZXRlZFBvc2l0aW9uXCI6NixcIlNwYWNpbmdcIjo1LFwiSXNCZWxvd1RpbWViYW5kXCI6dHJ1ZSxcIlBlcmNlbnRhZ2VDb21wbGV0ZVNoYXBlT3BhY2l0eVwiOjM1LFwiR3JvdXBOYW1lXCI6bnVsbCxcIkF0dGFjaGVkTWlsZXN0b25lc1N0eWxlc1wiOm51bGwsXCJTaGFwZVN0eWxlXCI6e1wiJGlkXCI6XCIxMzVcIixcIk1hcmdpblwiOntcIiRpZFwiOlwiMTM2XCIsXCJUb3BcIjowLjAsXCJMZWZ0XCI6NC4wLFwiUmlnaHRcIjo0LjAsXCJCb3R0b21cIjowLjB9LFwiUGFkZGluZ1wiOntcIiRpZFwiOlwiMTM3XCIsXCJUb3BcIjowLjAsXCJMZWZ0XCI6MC4wLFwiUmlnaHRcIjowLjAsXCJCb3R0b21cIjowLjB9LFwiQmFja2dyb3VuZFwiOntcIiRpZFwiOlwiMTM4XCIsXCJDb2xvclwiOntcIiRpZFwiOlwiMTM5XCIsXCJBXCI6MjU1LFwiUlwiOjAsXCJHXCI6MTE0LFwiQlwiOjE4OH19LFwiSXNWaXNpYmxlXCI6dHJ1ZSxcIldpZHRoXCI6MC4wLFwiSGVpZ2h0XCI6MTYuMCxcIkJvcmRlclN0eWxlXCI6e1wiJGlkXCI6XCIxNDBcIixcIkxpbmVDb2xvclwiOntcIiRpZFwiOlwiMTQxXCIsXCIkdHlwZVwiOlwiTkxSRS5Db21tb24uRG9tLlNvbGlkQ29sb3JCcnVzaCwgTkxSRS5Db21tb25cIixcIkNvbG9yXCI6e1wiJGlkXCI6XCIxNDJcIixcIkFcIjoyNTUsXCJSXCI6MjU1LFwiR1wiOjAsXCJCXCI6MH19LFwiTGluZVdlaWdodFwiOjAuMCxcIkxpbmVUeXBlXCI6MH19LFwiVGl0bGVTdHlsZVwiOntcIiRpZFwiOlwiMTQzXCIsXCJGb250U2V0dGluZ3NcIjp7XCIkaWRcIjpcIjE0NFwiLFwiRm9udFNpemVcIjoxMSxcIkZvbnROYW1lXCI6XCJDYWxpYnJpXCIsXCJJc0JvbGRcIjp0cnVlLFwiSXNJdGFsaWNcIjpmYWxzZSxcIklzVW5kZXJsaW5lZFwiOmZhbHNlfSxcIkF1dG9TaXplXCI6MCxcIkZvcmVncm91bmRcIjp7XCIkaWRcIjpcIjE0NVwiLFwiQ29sb3JcIjp7XCIkaWRcIjpcIjE0NlwiLFwiQVwiOjI1NSxcIlJcIjowLFwiR1wiOjAsXCJCXCI6MH19LFwiQmFja2dyb3VuZEZpbGxUeXBlXCI6MCxcIk1heFdpZHRoXCI6OTYwLjAsXCJNYXhIZWlnaHRcIjpcIkluZmluaXR5XCIsXCJTbWFydEZvcmVncm91bmRJc0FjdGl2ZVwiOmZhbHNlLFwiSG9yaXpvbnRhbEFsaWdubWVudFwiOjEsXCJWZXJ0aWNhbEFsaWdubWVudFwiOjAsXCJTbWFydEZvcmVncm91bmRcIjpudWxsLFwiTWFyZ2luXCI6e1wiJGlkXCI6XCIxNDdcIixcIlRvcFwiOjAuMCxcIkxlZnRcIjowLjAsXCJSaWdodFwiOjAuMCxcIkJvdHRvbVwiOjAuMH0sXCJQYWRkaW5nXCI6e1wiJGlkXCI6XCIxNDhcIixcIlRvcFwiOjAuMCxcIkxlZnRcIjowLjAsXCJSaWdodFwiOjAuMCxcIkJvdHRvbVwiOjAuMH0sXCJCYWNrZ3JvdW5kXCI6e1wiJGlkXCI6XCIxNDlcIixcIkNvbG9yXCI6e1wiJHJlZlwiOlwiMzZcIn19LFwiSXNWaXNpYmxlXCI6dHJ1ZSxcIldpZHRoXCI6MC4wLFwiSGVpZ2h0XCI6MC4wLFwiQm9yZGVyU3R5bGVcIjpudWxsfSxcIkRhdGVTdHlsZVwiOntcIiRpZFwiOlwiMTUwXCIsXCJGb250U2V0dGluZ3NcIjp7XCIkaWRcIjpcIjE1MVwiLFwiRm9udFNpemVcIjoxMCxcIkZvbnROYW1lXCI6XCJDYWxpYnJpXCIsXCJJc0JvbGRcIjpmYWxzZSxcIklzSXRhbGljXCI6ZmFsc2UsXCJJc1VuZGVybGluZWRcIjpmYWxzZX0sXCJBdXRvU2l6ZVwiOjAsXCJGb3JlZ3JvdW5kXCI6e1wiJGlkXCI6XCIxNTJcIixcIkNvbG9yXCI6e1wiJGlkXCI6XCIxNTNcIixcIkFcIjoyNTUsXCJSXCI6NjgsXCJHXCI6ODQsXCJCXCI6MTA2fX0sXCJCYWNrZ3JvdW5kRmlsbFR5cGVcIjowLFwiTWF4V2lkdGhcIjoyMDAuMCxcIk1heEhlaWdodFwiOlwiSW5maW5pdHlcIixcIlNtYXJ0Rm9yZWdyb3VuZElzQWN0aXZlXCI6ZmFsc2UsXCJIb3Jpem9udGFsQWxpZ25tZW50XCI6MSxcIlZlcnRpY2FsQWxpZ25tZW50XCI6MCxcIlNtYXJ0Rm9yZWdyb3VuZFwiOm51bGwsXCJNYXJnaW5cIjp7XCIkaWRcIjpcIjE1NFwiLFwiVG9wXCI6MC4wLFwiTGVmdFwiOjAuMCxcIlJpZ2h0XCI6MC4wLFwiQm90dG9tXCI6MC4wfSxcIlBhZGRpbmdcIjp7XCIkaWRcIjpcIjE1NVwiLFwiVG9wXCI6MC4wLFwiTGVmdFwiOjAuMCxcIlJpZ2h0XCI6MC4wLFwiQm90dG9tXCI6MC4wfSxcIkJhY2tncm91bmRcIjp7XCIkaWRcIjpcIjE1NlwiLFwiQ29sb3JcIjp7XCIkcmVmXCI6XCIzNlwifX0sXCJJc1Zpc2libGVcIjp0cnVlLFwiV2lkdGhcIjowLjAsXCJIZWlnaHRcIjowLjAsXCJCb3JkZXJTdHlsZVwiOm51bGx9LFwiRGF0ZUZvcm1hdFwiOntcIiRpZFwiOlwiMTU3XCIsXCJGb3JtYXRTdHJpbmdcIjpcIk1NTSBkXCIsXCJTZXBhcmF0b3JcIjpcIi9cIixcIlVzZUludGVybmF0aW9uYWxEYXRlRm9ybWF0XCI6ZmFsc2UsXCJEYXRlSXNWaXNpYmxlXCI6dHJ1ZSxcIlRpbWVJc1Zpc2libGVcIjpmYWxzZSxcIkhvdXJEaWdpdHNcIjoxLFwiQW1QbURlc2lnbmF0b3JcIjoyLFwiVHJpbTAwTWludXRlc1wiOmZhbHNlLFwiTGFzdEtub3duVmlzaWJpbGl0eVN0YXRlXCI6bnVsbH0sXCJJc1Zpc2libGVcIjp0cnVlfSxcIlNob3dFbGFwc2VkVGltZUdyYWRpZW50U3R5bGVcIjpmYWxzZSxcIlRpbWViYW5kUmVzZXJ2ZWRMZWZ0QXJlYVN0eWxlXCI6bnVsbCxcIkRlZmF1bHRTd2ltbGFuZVN0eWxlXCI6e1wiJGlkXCI6XCIxNThcIixcIkhlYWRlclN0eWxlXCI6e1wiJGlkXCI6XCIxNTlcIixcIlRleHRTdHlsZVwiOntcIiRpZFwiOlwiMTYwXCIsXCJGb250U2V0dGluZ3NcIjp7XCIkaWRcIjpcIjE2MVwiLFwiRm9udFNpemVcIjoxMixcIkZvbnROYW1lXCI6XCJDYWxpYnJpXCIsXCJJc0JvbGRcIjpmYWxzZSxcIklzSXRhbGljXCI6ZmFsc2UsXCJJc1VuZGVybGluZWRcIjpmYWxzZX0sXCJBdXRvU2l6ZVwiOjAsXCJGb3JlZ3JvdW5kXCI6e1wiJGlkXCI6XCIxNjJcIixcIkNvbG9yXCI6e1wiJGlkXCI6XCIxNjNcIixcIkFcIjoyNTUsXCJSXCI6MzIsXCJHXCI6NTYsXCJCXCI6MTAwfX0sXCJCYWNrZ3JvdW5kRmlsbFR5cGVcIjowLFwiTWF4V2lkdGhcIjowLjAsXCJNYXhIZWlnaHRcIjowLjAsXCJTbWFydEZvcmVncm91bmRJc0FjdGl2ZVwiOmZhbHNlLFwiSG9yaXpvbnRhbEFsaWdubWVudFwiOjAsXCJWZXJ0aWNhbEFsaWdubWVudFwiOjAsXCJTbWFydEZvcmVncm91bmRcIjpudWxsLFwiTWFyZ2luXCI6e1wiJGlkXCI6XCIxNjRcIixcIlRvcFwiOjAuMCxcIkxlZnRcIjowLjAsXCJSaWdodFwiOjAuMCxcIkJvdHRvbVwiOjAuMH0sXCJQYWRkaW5nXCI6e1wiJGlkXCI6XCIxNjVcIixcIlRvcFwiOjAuMCxcIkxlZnRcIjowLjAsXCJSaWdodFwiOjAuMCxcIkJvdHRvbVwiOjAuMH0sXCJCYWNrZ3JvdW5kXCI6bnVsbCxcIklzVmlzaWJsZVwiOmZhbHNlLFwiV2lkdGhcIjowLjAsXCJIZWlnaHRcIjowLjAsXCJCb3JkZXJTdHlsZVwiOm51bGx9LFwiUmVjdGFuZ2xlU3R5bGVcIjp7XCIkaWRcIjpcIjE2NlwiLFwiTWFyZ2luXCI6e1wiJGlkXCI6XCIxNjdcIixcIlRvcFwiOjAuMCxcIkxlZnRcIjowLjAsXCJSaWdodFwiOjAuMCxcIkJvdHRvbVwiOjAuMH0sXCJQYWRkaW5nXCI6e1wiJGlkXCI6XCIxNjhcIixcIlRvcFwiOjAuMCxcIkxlZnRcIjowLjAsXCJSaWdodFwiOjAuMCxcIkJvdHRvbVwiOjAuMH0sXCJCYWNrZ3JvdW5kXCI6e1wiJGlkXCI6XCIxNjlcIixcIkNvbG9yXCI6e1wiJGlkXCI6XCIxNzBcIixcIkFcIjoxMjcsXCJSXCI6OTEsXCJHXCI6MTU1LFwiQlwiOjIxM319LFwiSXNWaXNpYmxlXCI6ZmFsc2UsXCJXaWR0aFwiOjAuMCxcIkhlaWdodFwiOjAuMCxcIkJvcmRlclN0eWxlXCI6e1wiJGlkXCI6XCIxNzFcIixcIkxpbmVDb2xvclwiOntcIiRpZFwiOlwiMTcyXCIsXCIkdHlwZVwiOlwiTkxSRS5Db21tb24uRG9tLlNvbGlkQ29sb3JCcnVzaCwgTkxSRS5Db21tb25cIixcIkNvbG9yXCI6e1wiJGlkXCI6XCIxNzNcIixcIkFcIjoyNTUsXCJSXCI6MjU1LFwiR1wiOjAsXCJCXCI6MH19LFwiTGluZVdlaWdodFwiOjAuMCxcIkxpbmVUeXBlXCI6MH19LFwiVGV4dElzVmVydGljYWxcIjpmYWxzZX0sXCJCYWNrZ3JvdW5kU3R5bGVcIjp7XCIkaWRcIjpcIjE3NFwiLFwiTWFyZ2luXCI6e1wiJGlkXCI6XCIxNzVcIixcIlRvcFwiOjAuMCxcIkxlZnRcIjowLjAsXCJSaWdodFwiOjAuMCxcIkJvdHRvbVwiOjAuMH0sXCJQYWRkaW5nXCI6e1wiJGlkXCI6XCIxNzZcIixcIlRvcFwiOjAuMCxcIkxlZnRcIjowLjAsXCJSaWdodFwiOjAuMCxcIkJvdHRvbVwiOjAuMH0sXCJCYWNrZ3JvdW5kXCI6e1wiJGlkXCI6XCIxNzdcIixcIkNvbG9yXCI6e1wiJGlkXCI6XCIxNzhcIixcIkFcIjozOCxcIlJcIjo5MSxcIkdcIjoxNTUsXCJCXCI6MjEzfX0sXCJJc1Zpc2libGVcIjp0cnVlLFwiV2lkdGhcIjowLjAsXCJIZWlnaHRcIjowLjAsXCJCb3JkZXJTdHlsZVwiOntcIiRpZFwiOlwiMTc5XCIsXCJMaW5lQ29sb3JcIjp7XCIkaWRcIjpcIjE4MFwiLFwiJHR5cGVcIjpcIk5MUkUuQ29tbW9uLkRvbS5Tb2xpZENvbG9yQnJ1c2gsIE5MUkUuQ29tbW9uXCIsXCJDb2xvclwiOntcIiRpZFwiOlwiMTgxXCIsXCJBXCI6MjU1LFwiUlwiOjI1NSxcIkdcIjowLFwiQlwiOjB9fSxcIkxpbmVXZWlnaHRcIjowLjAsXCJMaW5lVHlwZVwiOjB9fSxcIklzQWJvdmVUaW1lYmFuZFwiOmZhbHNlfSxcIkN1c3RvbU1pbGVzdG9uZVN0eWxlTGlzdFwiOltdLFwiQ3VzdG9tVGFza1N0eWxlTGlzdFwiOltdLFwiQ3VzdG9tU3dpbWxhbmVEZWZpbml0aW9uU3R5bGVMaXN0XCI6W10sXCJDdXN0b21Td2ltbGFuZVYyU3R5bGVMaXN0XCI6W10sXCJHcmlkbGluZVBhbmVsU3R5bGVcIjp7XCIkaWRcIjpcIjE4MlwiLFwiR3JpZGxpbmVTdHlsZVwiOntcIiRpZFwiOlwiMTgzXCIsXCJMaW5lQ29sb3JcIjp7XCIkaWRcIjpcIjE4NFwiLFwiJHR5cGVcIjpcIk5MUkUuQ29tbW9uLkRvbS5Tb2xpZENvbG9yQnJ1c2gsIE5MUkUuQ29tbW9uXCIsXCJDb2xvclwiOntcIiRpZFwiOlwiMTg1XCIsXCJBXCI6MzgsXCJSXCI6OTEsXCJHXCI6MTU1LFwiQlwiOjIxM319LFwiTGluZVdlaWdodFwiOjEuMCxcIkxpbmVUeXBlXCI6MH0sXCJJc1Zpc2libGVcIjp0cnVlfSxcIkFjdGl2aXR5TGluZVBhbmVsU3R5bGVcIjp7XCIkaWRcIjpcIjE4NlwiLFwiQWN0aXZpdHlMaW5lU3R5bGVcIjp7XCIkaWRcIjpcIjE4N1wiLFwiTGluZUNvbG9yXCI6e1wiJGlkXCI6XCIxODhcIixcIiR0eXBlXCI6XCJOTFJFLkNvbW1vbi5Eb20uU29saWRDb2xvckJydXNoLCBOTFJFLkNvbW1vblwiLFwiQ29sb3JcIjp7XCIkaWRcIjpcIjE4OVwiLFwiQVwiOjM4LFwiUlwiOjY4LFwiR1wiOjExNCxcIkJcIjoxOTZ9fSxcIkxpbmVXZWlnaHRcIjoxLjAsXCJMaW5lVHlwZVwiOjB9LFwiSXNWaXNpYmxlXCI6dHJ1ZX19LFwiU2NhbGVcIjp7XCIkaWRcIjpcIjE5MFwiLFwiU3RhcnREYXRlXCI6XCIwMDAxLTAxLTAxVDAwOjAwOjAwXCIsXCJFbmREYXRlXCI6XCIwMDAxLTAxLTAxVDAwOjAwOjAwXCIsXCJGb3JtYXRcIjpcIndcIixcIlR5cGVcIjoxLFwiQXV0b0RhdGVSYW5nZVwiOnRydWUsXCJXb3JraW5nRGF5c1wiOjMxLFwiVG9kYXlNYXJrZXJUZXh0XCI6XCJUb2RheVwiLFwiQXV0b1NjYWxlVHlwZVwiOnRydWV9LFwiU2NhbGVWMlwiOntcIiRpZFwiOlwiMTkxXCIsXCJTdGFydERhdGVcIjpcIjAwMDEtMDEtMDFUMDA6MDA6MDBcIixcIkVuZERhdGVcIjpcIjAwMDEtMDEtMDFUMDA6MDA6MDBcIixcIkF1dG9EYXRlUmFuZ2VcIjp0cnVlLFwiV29ya2luZ0RheXNcIjozMSxcIlRvZGF5TWFya2VyVGV4dFwiOlwiVG9kYXlcIixcIkF1dG9TY2FsZVR5cGVcIjp0cnVlLFwiVGltZWJhbmRTY2FsZXNcIjp7XCIkaWRcIjpcIjE5MlwiLFwiVG9wU2NhbGVMYXllclwiOntcIiRpZFwiOlwiMTkzXCIsXCJGb3JtYXRcIjpcIndcIixcIlR5cGVcIjoxfSxcIk1pZGRsZVNjYWxlTGF5ZXJcIjp7XCIkaWRcIjpcIjE5NFwiLFwiRm9ybWF0XCI6bnVsbCxcIlR5cGVcIjowfSxcIkJvdHRvbVNjYWxlTGF5ZXJcIjp7XCIkaWRcIjpcIjE5NVwiLFwiRm9ybWF0XCI6bnVsbCxcIlR5cGVcIjowfX19LFwiTWlsZXN0b25lc1wiOltdLFwiVGFza3NcIjpbXSxcIlN3aW1sYW5lc1wiOltdLFwiU3dpbWxhbmVzVjJcIjpbXSxcIlNldHRpbmdzXCI6e1wiJGlkXCI6XCIxOTZcIixcIkltcGFPcHRpb25zXCI6e1wiJGlkXCI6XCIxOTdcIixcIkxlZnRUb1JpZ2h0XCI6ZmFsc2UsXCJQYXlsb2FkT3B0aW9uc1wiOjJ9fSxcIlRpbWVDb25maWd1cmF0aW9uXCI6e1wiJGlkXCI6XCIxOThcIixcIlVzZVRpbWVcIjpmYWxzZSxcIldvcmtEYXlTdGFydFwiOlwiMDA6MDA6MDBcIixcIldvcmtEYXlFbmRcIjpcIjIzOjU5OjAwXCJ9fSIsIlJlY2VudENvbG9yc0NvbGxlY3Rpb24iOiJbXCIjRkYxQUFBNDJcIl0ifSwiU2V0dGluZ3MiOnsiJGlkIjoiNjU3IiwiSW1wYU9wdGlvbnMiOnsiJGlkIjoiNjU4IiwiTGVmdFRvUmlnaHQiOmZhbHNlLCJQYXlsb2FkT3B0aW9ucyI6Mn0sIlVzZUNvbXByZXNzaW9uIjpmYWxzZSwiQ29tcHJlc2lvblBlcmNlbnRhZ2UiOjUwLjAsIkluYWN0aXZlSW50ZXJ2YWxXaWR0aFRocmVzaG9sZCI6MzAuMCwiSW5hY3RpdmVJbnRlcnZhbFdpZHRoIjoxLjAsIlNwbGl0VGFza3MiOmZhbHNlLCJVc2VDbHVzdGVyIjpmYWxzZSwiRXBzaWxvbiI6NS4wLCJNaW5Qb2ludHNUb0Zvcm1BQ2x1c3RlciI6MiwiR2VuZXJhdGVJbnZpc2libGVTaGFwZXMiOmZhbHNlLCJTbWFydFRpbWVsaW5lVGFza1BlcmNlbnRhZ2VGaXQiOmZhbHNlfSwiSXNOZXciOmZhbHNlLCJJbXBvcnRUeXBlIjowLCJGaWxlUGF0aCI6bnVsbCwiVGltZUNvbmZpZ3VyYXRpb24iOnsiJGlkIjoiNjU5IiwiVXNlVGltZSI6ZmFsc2UsIldvcmtEYXlTdGFydCI6IjAwOjAwOjAwIiwiV29ya0RheUVuZCI6IjIzOjU5OjAwIn0sIkxhc3RVc2VkVGVtcGxhdGVJZCI6ImMxMWY2ZjQ5LTdkYjgtNDVmZC1iYTMyLWJmY2FlYTQ5MmYzOSIsIkZpcnN0V2Vla09mWWVhciI6MCwiUGxhY2VNaWxlc3RvbmVBdFRoZUJlZ2lubmluZ09mVGhlRGF5IjpmYWxzZX0="/>
+  <p:tag name="__MASTER" val="__part_0"/>
+</p:tagLst>
+</file>
+
+<file path=ppt/tags/tag259.xml><?xml version="1.0" encoding="utf-8"?>
+<p:tagLst xmlns:a="http://schemas.openxmlformats.org/drawingml/2006/main" xmlns:r="http://schemas.openxmlformats.org/officeDocument/2006/relationships" xmlns:p="http://schemas.openxmlformats.org/presentationml/2006/main">
+  <p:tag name="OTLMARKERSHAPE" val="OTL"/>
+</p:tagLst>
+</file>
+
 <file path=ppt/tags/tag26.xml><?xml version="1.0" encoding="utf-8"?>
+<p:tagLst xmlns:a="http://schemas.openxmlformats.org/drawingml/2006/main" xmlns:r="http://schemas.openxmlformats.org/officeDocument/2006/relationships" xmlns:p="http://schemas.openxmlformats.org/presentationml/2006/main">
+  <p:tag name="OTLMARKERSHAPE" val="OTL"/>
+</p:tagLst>
+</file>
+
+<file path=ppt/tags/tag260.xml><?xml version="1.0" encoding="utf-8"?>
+<p:tagLst xmlns:a="http://schemas.openxmlformats.org/drawingml/2006/main" xmlns:r="http://schemas.openxmlformats.org/officeDocument/2006/relationships" xmlns:p="http://schemas.openxmlformats.org/presentationml/2006/main">
+  <p:tag name="OTLMARKERSHAPE" val="OTL"/>
+</p:tagLst>
+</file>
+
+<file path=ppt/tags/tag261.xml><?xml version="1.0" encoding="utf-8"?>
+<p:tagLst xmlns:a="http://schemas.openxmlformats.org/drawingml/2006/main" xmlns:r="http://schemas.openxmlformats.org/officeDocument/2006/relationships" xmlns:p="http://schemas.openxmlformats.org/presentationml/2006/main">
+  <p:tag name="OTLMARKERSHAPE" val="OTL"/>
+</p:tagLst>
+</file>
+
+<file path=ppt/tags/tag262.xml><?xml version="1.0" encoding="utf-8"?>
+<p:tagLst xmlns:a="http://schemas.openxmlformats.org/drawingml/2006/main" xmlns:r="http://schemas.openxmlformats.org/officeDocument/2006/relationships" xmlns:p="http://schemas.openxmlformats.org/presentationml/2006/main">
+  <p:tag name="OTLMARKERSHAPE" val="OTL"/>
+</p:tagLst>
+</file>
+
+<file path=ppt/tags/tag263.xml><?xml version="1.0" encoding="utf-8"?>
+<p:tagLst xmlns:a="http://schemas.openxmlformats.org/drawingml/2006/main" xmlns:r="http://schemas.openxmlformats.org/officeDocument/2006/relationships" xmlns:p="http://schemas.openxmlformats.org/presentationml/2006/main">
+  <p:tag name="OTLMARKERSHAPE" val="OTL"/>
+</p:tagLst>
+</file>
+
+<file path=ppt/tags/tag264.xml><?xml version="1.0" encoding="utf-8"?>
+<p:tagLst xmlns:a="http://schemas.openxmlformats.org/drawingml/2006/main" xmlns:r="http://schemas.openxmlformats.org/officeDocument/2006/relationships" xmlns:p="http://schemas.openxmlformats.org/presentationml/2006/main">
+  <p:tag name="OTLMARKERSHAPE" val="OTL"/>
+</p:tagLst>
+</file>
+
+<file path=ppt/tags/tag265.xml><?xml version="1.0" encoding="utf-8"?>
+<p:tagLst xmlns:a="http://schemas.openxmlformats.org/drawingml/2006/main" xmlns:r="http://schemas.openxmlformats.org/officeDocument/2006/relationships" xmlns:p="http://schemas.openxmlformats.org/presentationml/2006/main">
+  <p:tag name="OTLMARKERSHAPE" val="OTL"/>
+</p:tagLst>
+</file>
+
+<file path=ppt/tags/tag266.xml><?xml version="1.0" encoding="utf-8"?>
+<p:tagLst xmlns:a="http://schemas.openxmlformats.org/drawingml/2006/main" xmlns:r="http://schemas.openxmlformats.org/officeDocument/2006/relationships" xmlns:p="http://schemas.openxmlformats.org/presentationml/2006/main">
+  <p:tag name="OTLMARKERSHAPE" val="OTL"/>
+</p:tagLst>
+</file>
+
+<file path=ppt/tags/tag267.xml><?xml version="1.0" encoding="utf-8"?>
+<p:tagLst xmlns:a="http://schemas.openxmlformats.org/drawingml/2006/main" xmlns:r="http://schemas.openxmlformats.org/officeDocument/2006/relationships" xmlns:p="http://schemas.openxmlformats.org/presentationml/2006/main">
+  <p:tag name="OTLTIMEBANDSHAPETYPE" val="EllipseTimeband"/>
+  <p:tag name="OTLTIMEBANDSHAPEHEIGHT" val="30"/>
+  <p:tag name="OTLTIMEBANDSHAPEPADDINGLEFT" val="13"/>
+  <p:tag name="OTLTIMEBANDCULTUREINFO" val="en-US"/>
+  <p:tag name="OTLTIMEBANDTHREEDEFFECTS" val="Gel"/>
+  <p:tag name="OTLTIMEBANDAUTODATERANGE" val="True"/>
+  <p:tag name="OTLTIMEBANDSTARTDATE" val="0001-01-01T00:00:00.0000000"/>
+  <p:tag name="OTLTIMEBANDWORKINGDAYS" val="Standard"/>
+  <p:tag name="OTLTIMEBANDELAPSEDTIMEEXTENSION" val="False"/>
+  <p:tag name="OTLTIMEBANDUSETIME" val="False"/>
+  <p:tag name="OTLTIMEBANDTIMECONFIGWORKDAYSTART" val="00:00:00"/>
+  <p:tag name="OTLTIMEBANDTIMECONFIGWORKDAYEND" val="23:59:00"/>
+  <p:tag name="OTLTIMEBANDAPPENDYEARONYEARCHANGE" val="True"/>
+  <p:tag name="OTLTIMEBANDSCALEMARKING" val="None"/>
+  <p:tag name="OTLRIGHTENDCAPSMARGINRIGHT" val="20"/>
+  <p:tag name="OTLLEFTENDCAPSMARGINLEFT" val="115.506666666667"/>
+  <p:tag name="OTLTIMEBANDFYSTARTMONTH" val="January"/>
+  <p:tag name="OTLTIMEBANDSHOWFYLABEL" val="True"/>
+  <p:tag name="OTLTIMEBANDUSESTARTINGOFTHEYEARFORFYNUMBERING" val="True"/>
+  <p:tag name="OTLTIMEBANDRESERVEDLEFTAREAWIDTH" val="76"/>
+  <p:tag name="OTLTIMEBANDRESERVEDLEFTAREAISSET" val="False"/>
+  <p:tag name="OTLTIMEBANDQUICKPOSITION" val="Custom"/>
+  <p:tag name="OTLTIMEBANDENDDATE" val="2022-06-30T23:59:00.0000000"/>
+  <p:tag name="OTLTIMEBANDSCALETYPE" val="Days"/>
+  <p:tag name="OTLTIMEBANDSCALEFORMAT" val="d"/>
+  <p:tag name="OTLMARKERSHAPE" val="OTL"/>
+</p:tagLst>
+</file>
+
+<file path=ppt/tags/tag268.xml><?xml version="1.0" encoding="utf-8"?>
+<p:tagLst xmlns:a="http://schemas.openxmlformats.org/drawingml/2006/main" xmlns:r="http://schemas.openxmlformats.org/officeDocument/2006/relationships" xmlns:p="http://schemas.openxmlformats.org/presentationml/2006/main">
+  <p:tag name="OTLMARKERSHAPE" val="OTL"/>
+</p:tagLst>
+</file>
+
+<file path=ppt/tags/tag269.xml><?xml version="1.0" encoding="utf-8"?>
 <p:tagLst xmlns:a="http://schemas.openxmlformats.org/drawingml/2006/main" xmlns:r="http://schemas.openxmlformats.org/officeDocument/2006/relationships" xmlns:p="http://schemas.openxmlformats.org/presentationml/2006/main">
   <p:tag name="OTLMARKERSHAPE" val="OTL"/>
 </p:tagLst>
@@ -17551,6 +23661,66 @@
 </p:tagLst>
 </file>
 
+<file path=ppt/tags/tag270.xml><?xml version="1.0" encoding="utf-8"?>
+<p:tagLst xmlns:a="http://schemas.openxmlformats.org/drawingml/2006/main" xmlns:r="http://schemas.openxmlformats.org/officeDocument/2006/relationships" xmlns:p="http://schemas.openxmlformats.org/presentationml/2006/main">
+  <p:tag name="OTLMARKERSHAPE" val="OTL"/>
+</p:tagLst>
+</file>
+
+<file path=ppt/tags/tag271.xml><?xml version="1.0" encoding="utf-8"?>
+<p:tagLst xmlns:a="http://schemas.openxmlformats.org/drawingml/2006/main" xmlns:r="http://schemas.openxmlformats.org/officeDocument/2006/relationships" xmlns:p="http://schemas.openxmlformats.org/presentationml/2006/main">
+  <p:tag name="OTLMARKERSHAPE" val="OTL"/>
+</p:tagLst>
+</file>
+
+<file path=ppt/tags/tag272.xml><?xml version="1.0" encoding="utf-8"?>
+<p:tagLst xmlns:a="http://schemas.openxmlformats.org/drawingml/2006/main" xmlns:r="http://schemas.openxmlformats.org/officeDocument/2006/relationships" xmlns:p="http://schemas.openxmlformats.org/presentationml/2006/main">
+  <p:tag name="OTLMARKERSHAPE" val="OTL"/>
+</p:tagLst>
+</file>
+
+<file path=ppt/tags/tag273.xml><?xml version="1.0" encoding="utf-8"?>
+<p:tagLst xmlns:a="http://schemas.openxmlformats.org/drawingml/2006/main" xmlns:r="http://schemas.openxmlformats.org/officeDocument/2006/relationships" xmlns:p="http://schemas.openxmlformats.org/presentationml/2006/main">
+  <p:tag name="OTLMARKERSHAPE" val="OTL"/>
+</p:tagLst>
+</file>
+
+<file path=ppt/tags/tag274.xml><?xml version="1.0" encoding="utf-8"?>
+<p:tagLst xmlns:a="http://schemas.openxmlformats.org/drawingml/2006/main" xmlns:r="http://schemas.openxmlformats.org/officeDocument/2006/relationships" xmlns:p="http://schemas.openxmlformats.org/presentationml/2006/main">
+  <p:tag name="OTLMARKERSHAPE" val="OTL"/>
+</p:tagLst>
+</file>
+
+<file path=ppt/tags/tag275.xml><?xml version="1.0" encoding="utf-8"?>
+<p:tagLst xmlns:a="http://schemas.openxmlformats.org/drawingml/2006/main" xmlns:r="http://schemas.openxmlformats.org/officeDocument/2006/relationships" xmlns:p="http://schemas.openxmlformats.org/presentationml/2006/main">
+  <p:tag name="OTLMARKERSHAPE" val="OTL"/>
+</p:tagLst>
+</file>
+
+<file path=ppt/tags/tag276.xml><?xml version="1.0" encoding="utf-8"?>
+<p:tagLst xmlns:a="http://schemas.openxmlformats.org/drawingml/2006/main" xmlns:r="http://schemas.openxmlformats.org/officeDocument/2006/relationships" xmlns:p="http://schemas.openxmlformats.org/presentationml/2006/main">
+  <p:tag name="OTLMARKERSHAPE" val="OTL"/>
+</p:tagLst>
+</file>
+
+<file path=ppt/tags/tag277.xml><?xml version="1.0" encoding="utf-8"?>
+<p:tagLst xmlns:a="http://schemas.openxmlformats.org/drawingml/2006/main" xmlns:r="http://schemas.openxmlformats.org/officeDocument/2006/relationships" xmlns:p="http://schemas.openxmlformats.org/presentationml/2006/main">
+  <p:tag name="OTLMARKERSHAPE" val="OTL"/>
+</p:tagLst>
+</file>
+
+<file path=ppt/tags/tag278.xml><?xml version="1.0" encoding="utf-8"?>
+<p:tagLst xmlns:a="http://schemas.openxmlformats.org/drawingml/2006/main" xmlns:r="http://schemas.openxmlformats.org/officeDocument/2006/relationships" xmlns:p="http://schemas.openxmlformats.org/presentationml/2006/main">
+  <p:tag name="OTLMARKERSHAPE" val="OTL"/>
+</p:tagLst>
+</file>
+
+<file path=ppt/tags/tag279.xml><?xml version="1.0" encoding="utf-8"?>
+<p:tagLst xmlns:a="http://schemas.openxmlformats.org/drawingml/2006/main" xmlns:r="http://schemas.openxmlformats.org/officeDocument/2006/relationships" xmlns:p="http://schemas.openxmlformats.org/presentationml/2006/main">
+  <p:tag name="OTLMARKERSHAPE" val="OTL"/>
+</p:tagLst>
+</file>
+
 <file path=ppt/tags/tag28.xml><?xml version="1.0" encoding="utf-8"?>
 <p:tagLst xmlns:a="http://schemas.openxmlformats.org/drawingml/2006/main" xmlns:r="http://schemas.openxmlformats.org/officeDocument/2006/relationships" xmlns:p="http://schemas.openxmlformats.org/presentationml/2006/main">
   <p:tag name="OTLDATEFORMATSTRING" val="MMM d"/>
@@ -17572,6 +23742,201 @@
 </p:tagLst>
 </file>
 
+<file path=ppt/tags/tag280.xml><?xml version="1.0" encoding="utf-8"?>
+<p:tagLst xmlns:a="http://schemas.openxmlformats.org/drawingml/2006/main" xmlns:r="http://schemas.openxmlformats.org/officeDocument/2006/relationships" xmlns:p="http://schemas.openxmlformats.org/presentationml/2006/main">
+  <p:tag name="OTLMARKERSHAPE" val="OTL"/>
+</p:tagLst>
+</file>
+
+<file path=ppt/tags/tag281.xml><?xml version="1.0" encoding="utf-8"?>
+<p:tagLst xmlns:a="http://schemas.openxmlformats.org/drawingml/2006/main" xmlns:r="http://schemas.openxmlformats.org/officeDocument/2006/relationships" xmlns:p="http://schemas.openxmlformats.org/presentationml/2006/main">
+  <p:tag name="OTLDATEFORMATSTRING" val="MMM d"/>
+  <p:tag name="OTLDATEFORMATSEPARATOR" val="/"/>
+  <p:tag name="OTLDATEFORMATUSEUS" val="True"/>
+  <p:tag name="OTLDATEFORMATDATEISVISIBLE" val="True"/>
+  <p:tag name="OTLDATEFORMATTIMEISVISIBLE" val="False"/>
+  <p:tag name="OTLDATEFORMATAMPMDESIGNATOR" val="AmPmLowerCase"/>
+  <p:tag name="OTLDATEFORMATHOURDIGITS" val="H"/>
+  <p:tag name="OTLDATEFORMATTRIM00MINUTES" val="False"/>
+  <p:tag name="OTLWEEKNUMBERINGFORMAT" val="WNFormat1"/>
+  <p:tag name="OTLWEEKNUMBERINGISVISIBLE" val="False"/>
+  <p:tag name="OTLDURATIONFORMAT" val="day"/>
+  <p:tag name="OTLSPACING" val="5"/>
+  <p:tag name="OTLSHAPETHICKNESSTYPE" val="Regular"/>
+  <p:tag name="OTLMARKERSHAPE" val="OTL"/>
+  <p:tag name="OTLSTARTDATE" val="2022-05-15T00:00:00.0000000Z"/>
+  <p:tag name="OTLENDDATE" val="2022-05-18T23:59:00.0000000Z"/>
+</p:tagLst>
+</file>
+
+<file path=ppt/tags/tag282.xml><?xml version="1.0" encoding="utf-8"?>
+<p:tagLst xmlns:a="http://schemas.openxmlformats.org/drawingml/2006/main" xmlns:r="http://schemas.openxmlformats.org/officeDocument/2006/relationships" xmlns:p="http://schemas.openxmlformats.org/presentationml/2006/main">
+  <p:tag name="OTLDATEFORMATSTRING" val="MMM d"/>
+  <p:tag name="OTLDATEFORMATSEPARATOR" val="/"/>
+  <p:tag name="OTLDATEFORMATUSEUS" val="True"/>
+  <p:tag name="OTLDATEFORMATDATEISVISIBLE" val="True"/>
+  <p:tag name="OTLDATEFORMATTIMEISVISIBLE" val="False"/>
+  <p:tag name="OTLDATEFORMATAMPMDESIGNATOR" val="AmPmLowerCase"/>
+  <p:tag name="OTLDATEFORMATHOURDIGITS" val="H"/>
+  <p:tag name="OTLDATEFORMATTRIM00MINUTES" val="False"/>
+  <p:tag name="OTLWEEKNUMBERINGFORMAT" val="WNFormat1"/>
+  <p:tag name="OTLWEEKNUMBERINGISVISIBLE" val="False"/>
+  <p:tag name="OTLDURATIONFORMAT" val="day"/>
+  <p:tag name="OTLSPACING" val="5"/>
+  <p:tag name="OTLSHAPETHICKNESSTYPE" val="Regular"/>
+  <p:tag name="OTLMARKERSHAPE" val="OTL"/>
+  <p:tag name="OTLSTARTDATE" val="2022-05-16T00:00:00.0000000Z"/>
+  <p:tag name="OTLENDDATE" val="2022-05-18T23:59:00.0000000Z"/>
+</p:tagLst>
+</file>
+
+<file path=ppt/tags/tag283.xml><?xml version="1.0" encoding="utf-8"?>
+<p:tagLst xmlns:a="http://schemas.openxmlformats.org/drawingml/2006/main" xmlns:r="http://schemas.openxmlformats.org/officeDocument/2006/relationships" xmlns:p="http://schemas.openxmlformats.org/presentationml/2006/main">
+  <p:tag name="OTLDATEFORMATSTRING" val="MMM d"/>
+  <p:tag name="OTLDATEFORMATSEPARATOR" val="/"/>
+  <p:tag name="OTLDATEFORMATUSEUS" val="True"/>
+  <p:tag name="OTLDATEFORMATDATEISVISIBLE" val="True"/>
+  <p:tag name="OTLDATEFORMATTIMEISVISIBLE" val="False"/>
+  <p:tag name="OTLDATEFORMATAMPMDESIGNATOR" val="AmPmLowerCase"/>
+  <p:tag name="OTLDATEFORMATHOURDIGITS" val="H"/>
+  <p:tag name="OTLDATEFORMATTRIM00MINUTES" val="False"/>
+  <p:tag name="OTLWEEKNUMBERINGFORMAT" val="WNFormat1"/>
+  <p:tag name="OTLWEEKNUMBERINGISVISIBLE" val="False"/>
+  <p:tag name="OTLDURATIONFORMAT" val="day"/>
+  <p:tag name="OTLSPACING" val="5"/>
+  <p:tag name="OTLSHAPETHICKNESSTYPE" val="Regular"/>
+  <p:tag name="OTLMARKERSHAPE" val="OTL"/>
+  <p:tag name="OTLSTARTDATE" val="2022-05-16T00:00:00.0000000Z"/>
+  <p:tag name="OTLENDDATE" val="2022-05-18T23:59:00.0000000Z"/>
+</p:tagLst>
+</file>
+
+<file path=ppt/tags/tag284.xml><?xml version="1.0" encoding="utf-8"?>
+<p:tagLst xmlns:a="http://schemas.openxmlformats.org/drawingml/2006/main" xmlns:r="http://schemas.openxmlformats.org/officeDocument/2006/relationships" xmlns:p="http://schemas.openxmlformats.org/presentationml/2006/main">
+  <p:tag name="OTLDATEFORMATSTRING" val="MMM d"/>
+  <p:tag name="OTLDATEFORMATSEPARATOR" val="/"/>
+  <p:tag name="OTLDATEFORMATUSEUS" val="True"/>
+  <p:tag name="OTLDATEFORMATDATEISVISIBLE" val="True"/>
+  <p:tag name="OTLDATEFORMATTIMEISVISIBLE" val="False"/>
+  <p:tag name="OTLDATEFORMATAMPMDESIGNATOR" val="AmPmLowerCase"/>
+  <p:tag name="OTLDATEFORMATHOURDIGITS" val="H"/>
+  <p:tag name="OTLDATEFORMATTRIM00MINUTES" val="False"/>
+  <p:tag name="OTLWEEKNUMBERINGFORMAT" val="WNFormat1"/>
+  <p:tag name="OTLWEEKNUMBERINGISVISIBLE" val="False"/>
+  <p:tag name="OTLDURATIONFORMAT" val="day"/>
+  <p:tag name="OTLSPACING" val="5"/>
+  <p:tag name="OTLSHAPETHICKNESSTYPE" val="Regular"/>
+  <p:tag name="OTLMARKERSHAPE" val="OTL"/>
+  <p:tag name="OTLSTARTDATE" val="2022-05-17T00:00:00.0000000Z"/>
+  <p:tag name="OTLENDDATE" val="2022-05-19T23:59:00.0000000Z"/>
+</p:tagLst>
+</file>
+
+<file path=ppt/tags/tag285.xml><?xml version="1.0" encoding="utf-8"?>
+<p:tagLst xmlns:a="http://schemas.openxmlformats.org/drawingml/2006/main" xmlns:r="http://schemas.openxmlformats.org/officeDocument/2006/relationships" xmlns:p="http://schemas.openxmlformats.org/presentationml/2006/main">
+  <p:tag name="OTLDATEFORMATSTRING" val="MMM d"/>
+  <p:tag name="OTLDATEFORMATSEPARATOR" val="/"/>
+  <p:tag name="OTLDATEFORMATUSEUS" val="True"/>
+  <p:tag name="OTLDATEFORMATDATEISVISIBLE" val="True"/>
+  <p:tag name="OTLDATEFORMATTIMEISVISIBLE" val="False"/>
+  <p:tag name="OTLDATEFORMATAMPMDESIGNATOR" val="AmPmLowerCase"/>
+  <p:tag name="OTLDATEFORMATHOURDIGITS" val="H"/>
+  <p:tag name="OTLDATEFORMATTRIM00MINUTES" val="False"/>
+  <p:tag name="OTLWEEKNUMBERINGFORMAT" val="WNFormat1"/>
+  <p:tag name="OTLWEEKNUMBERINGISVISIBLE" val="False"/>
+  <p:tag name="OTLDURATIONFORMAT" val="day"/>
+  <p:tag name="OTLSPACING" val="5"/>
+  <p:tag name="OTLSHAPETHICKNESSTYPE" val="Regular"/>
+  <p:tag name="OTLMARKERSHAPE" val="OTL"/>
+  <p:tag name="OTLSTARTDATE" val="2022-05-17T00:00:00.0000000Z"/>
+  <p:tag name="OTLENDDATE" val="2022-05-18T23:59:00.0000000Z"/>
+</p:tagLst>
+</file>
+
+<file path=ppt/tags/tag286.xml><?xml version="1.0" encoding="utf-8"?>
+<p:tagLst xmlns:a="http://schemas.openxmlformats.org/drawingml/2006/main" xmlns:r="http://schemas.openxmlformats.org/officeDocument/2006/relationships" xmlns:p="http://schemas.openxmlformats.org/presentationml/2006/main">
+  <p:tag name="OTLDATEFORMATSTRING" val="MMM d"/>
+  <p:tag name="OTLDATEFORMATSEPARATOR" val="/"/>
+  <p:tag name="OTLDATEFORMATUSEUS" val="True"/>
+  <p:tag name="OTLDATEFORMATDATEISVISIBLE" val="True"/>
+  <p:tag name="OTLDATEFORMATTIMEISVISIBLE" val="False"/>
+  <p:tag name="OTLDATEFORMATAMPMDESIGNATOR" val="AmPmLowerCase"/>
+  <p:tag name="OTLDATEFORMATHOURDIGITS" val="H"/>
+  <p:tag name="OTLDATEFORMATTRIM00MINUTES" val="False"/>
+  <p:tag name="OTLWEEKNUMBERINGFORMAT" val="WNFormat1"/>
+  <p:tag name="OTLWEEKNUMBERINGISVISIBLE" val="False"/>
+  <p:tag name="OTLDURATIONFORMAT" val="day"/>
+  <p:tag name="OTLSPACING" val="5"/>
+  <p:tag name="OTLSHAPETHICKNESSTYPE" val="Regular"/>
+  <p:tag name="OTLMARKERSHAPE" val="OTL"/>
+  <p:tag name="OTLSTARTDATE" val="2022-05-18T00:00:00.0000000Z"/>
+  <p:tag name="OTLENDDATE" val="2022-05-19T23:59:00.0000000Z"/>
+</p:tagLst>
+</file>
+
+<file path=ppt/tags/tag287.xml><?xml version="1.0" encoding="utf-8"?>
+<p:tagLst xmlns:a="http://schemas.openxmlformats.org/drawingml/2006/main" xmlns:r="http://schemas.openxmlformats.org/officeDocument/2006/relationships" xmlns:p="http://schemas.openxmlformats.org/presentationml/2006/main">
+  <p:tag name="OTLDATEFORMATSTRING" val="MMM d"/>
+  <p:tag name="OTLDATEFORMATSEPARATOR" val="/"/>
+  <p:tag name="OTLDATEFORMATUSEUS" val="True"/>
+  <p:tag name="OTLDATEFORMATDATEISVISIBLE" val="True"/>
+  <p:tag name="OTLDATEFORMATTIMEISVISIBLE" val="False"/>
+  <p:tag name="OTLDATEFORMATAMPMDESIGNATOR" val="AmPmLowerCase"/>
+  <p:tag name="OTLDATEFORMATHOURDIGITS" val="H"/>
+  <p:tag name="OTLDATEFORMATTRIM00MINUTES" val="False"/>
+  <p:tag name="OTLWEEKNUMBERINGFORMAT" val="WNFormat1"/>
+  <p:tag name="OTLWEEKNUMBERINGISVISIBLE" val="False"/>
+  <p:tag name="OTLDURATIONFORMAT" val="day"/>
+  <p:tag name="OTLSPACING" val="5"/>
+  <p:tag name="OTLSHAPETHICKNESSTYPE" val="Regular"/>
+  <p:tag name="OTLMARKERSHAPE" val="OTL"/>
+  <p:tag name="OTLSTARTDATE" val="2022-05-19T00:00:00.0000000Z"/>
+  <p:tag name="OTLENDDATE" val="2022-05-22T23:59:00.0000000Z"/>
+</p:tagLst>
+</file>
+
+<file path=ppt/tags/tag288.xml><?xml version="1.0" encoding="utf-8"?>
+<p:tagLst xmlns:a="http://schemas.openxmlformats.org/drawingml/2006/main" xmlns:r="http://schemas.openxmlformats.org/officeDocument/2006/relationships" xmlns:p="http://schemas.openxmlformats.org/presentationml/2006/main">
+  <p:tag name="OTLDATEFORMATSTRING" val="MMM d"/>
+  <p:tag name="OTLDATEFORMATSEPARATOR" val="/"/>
+  <p:tag name="OTLDATEFORMATUSEUS" val="True"/>
+  <p:tag name="OTLDATEFORMATDATEISVISIBLE" val="True"/>
+  <p:tag name="OTLDATEFORMATTIMEISVISIBLE" val="False"/>
+  <p:tag name="OTLDATEFORMATAMPMDESIGNATOR" val="AmPmLowerCase"/>
+  <p:tag name="OTLDATEFORMATHOURDIGITS" val="H"/>
+  <p:tag name="OTLDATEFORMATTRIM00MINUTES" val="False"/>
+  <p:tag name="OTLWEEKNUMBERINGFORMAT" val="WNFormat1"/>
+  <p:tag name="OTLWEEKNUMBERINGISVISIBLE" val="False"/>
+  <p:tag name="OTLDURATIONFORMAT" val="day"/>
+  <p:tag name="OTLSPACING" val="5"/>
+  <p:tag name="OTLSHAPETHICKNESSTYPE" val="Regular"/>
+  <p:tag name="OTLMARKERSHAPE" val="OTL"/>
+  <p:tag name="OTLSTARTDATE" val="2022-05-19T00:00:00.0000000Z"/>
+  <p:tag name="OTLENDDATE" val="2022-05-20T23:59:00.0000000Z"/>
+</p:tagLst>
+</file>
+
+<file path=ppt/tags/tag289.xml><?xml version="1.0" encoding="utf-8"?>
+<p:tagLst xmlns:a="http://schemas.openxmlformats.org/drawingml/2006/main" xmlns:r="http://schemas.openxmlformats.org/officeDocument/2006/relationships" xmlns:p="http://schemas.openxmlformats.org/presentationml/2006/main">
+  <p:tag name="OTLMARKERSHAPE" val="OTL"/>
+  <p:tag name="OTLDATEFORMATSTRING" val="MMM d"/>
+  <p:tag name="OTLDATEFORMATSEPARATOR" val="/"/>
+  <p:tag name="OTLDATEFORMATUSEUS" val="True"/>
+  <p:tag name="OTLDATEFORMATDATEISVISIBLE" val="True"/>
+  <p:tag name="OTLDATEFORMATTIMEISVISIBLE" val="False"/>
+  <p:tag name="OTLDATEFORMATAMPMDESIGNATOR" val="AmPmLowerCase"/>
+  <p:tag name="OTLDATEFORMATHOURDIGITS" val="H"/>
+  <p:tag name="OTLDATEFORMATTRIM00MINUTES" val="False"/>
+  <p:tag name="OTLWEEKNUMBERINGFORMAT" val="WNFormat1"/>
+  <p:tag name="OTLWEEKNUMBERINGISVISIBLE" val="False"/>
+  <p:tag name="OTLSTARTDATE" val="2022-05-19T00:00:00.0000000Z"/>
+  <p:tag name="OTLENDDATE" val="2022-05-20T23:59:00.0000000Z"/>
+  <p:tag name="OTLDURATIONFORMAT" val="day"/>
+  <p:tag name="OTLSPACING" val="5"/>
+  <p:tag name="OTLSHAPETHICKNESSTYPE" val="Regular"/>
+</p:tagLst>
+</file>
+
 <file path=ppt/tags/tag29.xml><?xml version="1.0" encoding="utf-8"?>
 <p:tagLst xmlns:a="http://schemas.openxmlformats.org/drawingml/2006/main" xmlns:r="http://schemas.openxmlformats.org/officeDocument/2006/relationships" xmlns:p="http://schemas.openxmlformats.org/presentationml/2006/main">
   <p:tag name="OTLDATEFORMATSTRING" val="MMM d"/>
@@ -17593,6 +23958,67 @@
 </p:tagLst>
 </file>
 
+<file path=ppt/tags/tag290.xml><?xml version="1.0" encoding="utf-8"?>
+<p:tagLst xmlns:a="http://schemas.openxmlformats.org/drawingml/2006/main" xmlns:r="http://schemas.openxmlformats.org/officeDocument/2006/relationships" xmlns:p="http://schemas.openxmlformats.org/presentationml/2006/main">
+  <p:tag name="OTLELAPSEDSTYLE" val="Thick"/>
+  <p:tag name="OTLMARKERSHAPE" val="OTL"/>
+</p:tagLst>
+</file>
+
+<file path=ppt/tags/tag291.xml><?xml version="1.0" encoding="utf-8"?>
+<p:tagLst xmlns:a="http://schemas.openxmlformats.org/drawingml/2006/main" xmlns:r="http://schemas.openxmlformats.org/officeDocument/2006/relationships" xmlns:p="http://schemas.openxmlformats.org/presentationml/2006/main">
+  <p:tag name="OTLMARKERSHAPE" val="OTL"/>
+</p:tagLst>
+</file>
+
+<file path=ppt/tags/tag292.xml><?xml version="1.0" encoding="utf-8"?>
+<p:tagLst xmlns:a="http://schemas.openxmlformats.org/drawingml/2006/main" xmlns:r="http://schemas.openxmlformats.org/officeDocument/2006/relationships" xmlns:p="http://schemas.openxmlformats.org/presentationml/2006/main">
+  <p:tag name="OTLMARKERSHAPE" val="OTL"/>
+</p:tagLst>
+</file>
+
+<file path=ppt/tags/tag293.xml><?xml version="1.0" encoding="utf-8"?>
+<p:tagLst xmlns:a="http://schemas.openxmlformats.org/drawingml/2006/main" xmlns:r="http://schemas.openxmlformats.org/officeDocument/2006/relationships" xmlns:p="http://schemas.openxmlformats.org/presentationml/2006/main">
+  <p:tag name="OTLMARKERSHAPE" val="OTL"/>
+</p:tagLst>
+</file>
+
+<file path=ppt/tags/tag294.xml><?xml version="1.0" encoding="utf-8"?>
+<p:tagLst xmlns:a="http://schemas.openxmlformats.org/drawingml/2006/main" xmlns:r="http://schemas.openxmlformats.org/officeDocument/2006/relationships" xmlns:p="http://schemas.openxmlformats.org/presentationml/2006/main">
+  <p:tag name="OTLMARKERSHAPE" val="OTL"/>
+</p:tagLst>
+</file>
+
+<file path=ppt/tags/tag295.xml><?xml version="1.0" encoding="utf-8"?>
+<p:tagLst xmlns:a="http://schemas.openxmlformats.org/drawingml/2006/main" xmlns:r="http://schemas.openxmlformats.org/officeDocument/2006/relationships" xmlns:p="http://schemas.openxmlformats.org/presentationml/2006/main">
+  <p:tag name="OTLMARKERSHAPE" val="OTL"/>
+</p:tagLst>
+</file>
+
+<file path=ppt/tags/tag296.xml><?xml version="1.0" encoding="utf-8"?>
+<p:tagLst xmlns:a="http://schemas.openxmlformats.org/drawingml/2006/main" xmlns:r="http://schemas.openxmlformats.org/officeDocument/2006/relationships" xmlns:p="http://schemas.openxmlformats.org/presentationml/2006/main">
+  <p:tag name="OTLMARKERSHAPE" val="OTL"/>
+</p:tagLst>
+</file>
+
+<file path=ppt/tags/tag297.xml><?xml version="1.0" encoding="utf-8"?>
+<p:tagLst xmlns:a="http://schemas.openxmlformats.org/drawingml/2006/main" xmlns:r="http://schemas.openxmlformats.org/officeDocument/2006/relationships" xmlns:p="http://schemas.openxmlformats.org/presentationml/2006/main">
+  <p:tag name="OTLMARKERSHAPE" val="OTL"/>
+</p:tagLst>
+</file>
+
+<file path=ppt/tags/tag298.xml><?xml version="1.0" encoding="utf-8"?>
+<p:tagLst xmlns:a="http://schemas.openxmlformats.org/drawingml/2006/main" xmlns:r="http://schemas.openxmlformats.org/officeDocument/2006/relationships" xmlns:p="http://schemas.openxmlformats.org/presentationml/2006/main">
+  <p:tag name="OTLMARKERSHAPE" val="OTL"/>
+</p:tagLst>
+</file>
+
+<file path=ppt/tags/tag299.xml><?xml version="1.0" encoding="utf-8"?>
+<p:tagLst xmlns:a="http://schemas.openxmlformats.org/drawingml/2006/main" xmlns:r="http://schemas.openxmlformats.org/officeDocument/2006/relationships" xmlns:p="http://schemas.openxmlformats.org/presentationml/2006/main">
+  <p:tag name="OTLMARKERSHAPE" val="OTL"/>
+</p:tagLst>
+</file>
+
 <file path=ppt/tags/tag3.xml><?xml version="1.0" encoding="utf-8"?>
 <p:tagLst xmlns:a="http://schemas.openxmlformats.org/drawingml/2006/main" xmlns:r="http://schemas.openxmlformats.org/officeDocument/2006/relationships" xmlns:p="http://schemas.openxmlformats.org/presentationml/2006/main">
   <p:tag name="OTLMARKERSHAPE" val="OTL"/>
@@ -17620,6 +24046,67 @@
 </p:tagLst>
 </file>
 
+<file path=ppt/tags/tag300.xml><?xml version="1.0" encoding="utf-8"?>
+<p:tagLst xmlns:a="http://schemas.openxmlformats.org/drawingml/2006/main" xmlns:r="http://schemas.openxmlformats.org/officeDocument/2006/relationships" xmlns:p="http://schemas.openxmlformats.org/presentationml/2006/main">
+  <p:tag name="OTLMARKERSHAPE" val="OTL"/>
+</p:tagLst>
+</file>
+
+<file path=ppt/tags/tag301.xml><?xml version="1.0" encoding="utf-8"?>
+<p:tagLst xmlns:a="http://schemas.openxmlformats.org/drawingml/2006/main" xmlns:r="http://schemas.openxmlformats.org/officeDocument/2006/relationships" xmlns:p="http://schemas.openxmlformats.org/presentationml/2006/main">
+  <p:tag name="OTLMARKERSHAPE" val="OTL"/>
+</p:tagLst>
+</file>
+
+<file path=ppt/tags/tag302.xml><?xml version="1.0" encoding="utf-8"?>
+<p:tagLst xmlns:a="http://schemas.openxmlformats.org/drawingml/2006/main" xmlns:r="http://schemas.openxmlformats.org/officeDocument/2006/relationships" xmlns:p="http://schemas.openxmlformats.org/presentationml/2006/main">
+  <p:tag name="OTLMARKERSHAPE" val="OTL"/>
+</p:tagLst>
+</file>
+
+<file path=ppt/tags/tag303.xml><?xml version="1.0" encoding="utf-8"?>
+<p:tagLst xmlns:a="http://schemas.openxmlformats.org/drawingml/2006/main" xmlns:r="http://schemas.openxmlformats.org/officeDocument/2006/relationships" xmlns:p="http://schemas.openxmlformats.org/presentationml/2006/main">
+  <p:tag name="OTLMARKERSHAPE" val="OTL"/>
+</p:tagLst>
+</file>
+
+<file path=ppt/tags/tag304.xml><?xml version="1.0" encoding="utf-8"?>
+<p:tagLst xmlns:a="http://schemas.openxmlformats.org/drawingml/2006/main" xmlns:r="http://schemas.openxmlformats.org/officeDocument/2006/relationships" xmlns:p="http://schemas.openxmlformats.org/presentationml/2006/main">
+  <p:tag name="OTLMARKERSHAPE" val="OTL"/>
+</p:tagLst>
+</file>
+
+<file path=ppt/tags/tag305.xml><?xml version="1.0" encoding="utf-8"?>
+<p:tagLst xmlns:a="http://schemas.openxmlformats.org/drawingml/2006/main" xmlns:r="http://schemas.openxmlformats.org/officeDocument/2006/relationships" xmlns:p="http://schemas.openxmlformats.org/presentationml/2006/main">
+  <p:tag name="OTLMARKERSHAPE" val="OTL"/>
+</p:tagLst>
+</file>
+
+<file path=ppt/tags/tag306.xml><?xml version="1.0" encoding="utf-8"?>
+<p:tagLst xmlns:a="http://schemas.openxmlformats.org/drawingml/2006/main" xmlns:r="http://schemas.openxmlformats.org/officeDocument/2006/relationships" xmlns:p="http://schemas.openxmlformats.org/presentationml/2006/main">
+  <p:tag name="OTLTODAYPOSITION" val="Auto"/>
+  <p:tag name="OTLMARKERSHAPE" val="OTL"/>
+</p:tagLst>
+</file>
+
+<file path=ppt/tags/tag307.xml><?xml version="1.0" encoding="utf-8"?>
+<p:tagLst xmlns:a="http://schemas.openxmlformats.org/drawingml/2006/main" xmlns:r="http://schemas.openxmlformats.org/officeDocument/2006/relationships" xmlns:p="http://schemas.openxmlformats.org/presentationml/2006/main">
+  <p:tag name="OTLMARKERSHAPE" val="OTL"/>
+</p:tagLst>
+</file>
+
+<file path=ppt/tags/tag308.xml><?xml version="1.0" encoding="utf-8"?>
+<p:tagLst xmlns:a="http://schemas.openxmlformats.org/drawingml/2006/main" xmlns:r="http://schemas.openxmlformats.org/officeDocument/2006/relationships" xmlns:p="http://schemas.openxmlformats.org/presentationml/2006/main">
+  <p:tag name="OTLMARKERSHAPE" val="OTL"/>
+</p:tagLst>
+</file>
+
+<file path=ppt/tags/tag309.xml><?xml version="1.0" encoding="utf-8"?>
+<p:tagLst xmlns:a="http://schemas.openxmlformats.org/drawingml/2006/main" xmlns:r="http://schemas.openxmlformats.org/officeDocument/2006/relationships" xmlns:p="http://schemas.openxmlformats.org/presentationml/2006/main">
+  <p:tag name="OTLMARKERSHAPE" val="OTL"/>
+</p:tagLst>
+</file>
+
 <file path=ppt/tags/tag31.xml><?xml version="1.0" encoding="utf-8"?>
 <p:tagLst xmlns:a="http://schemas.openxmlformats.org/drawingml/2006/main" xmlns:r="http://schemas.openxmlformats.org/officeDocument/2006/relationships" xmlns:p="http://schemas.openxmlformats.org/presentationml/2006/main">
   <p:tag name="OTLDATEFORMATSTRING" val="MMM d"/>
@@ -17641,6 +24128,66 @@
 </p:tagLst>
 </file>
 
+<file path=ppt/tags/tag310.xml><?xml version="1.0" encoding="utf-8"?>
+<p:tagLst xmlns:a="http://schemas.openxmlformats.org/drawingml/2006/main" xmlns:r="http://schemas.openxmlformats.org/officeDocument/2006/relationships" xmlns:p="http://schemas.openxmlformats.org/presentationml/2006/main">
+  <p:tag name="OTLMARKERSHAPE" val="OTL"/>
+</p:tagLst>
+</file>
+
+<file path=ppt/tags/tag311.xml><?xml version="1.0" encoding="utf-8"?>
+<p:tagLst xmlns:a="http://schemas.openxmlformats.org/drawingml/2006/main" xmlns:r="http://schemas.openxmlformats.org/officeDocument/2006/relationships" xmlns:p="http://schemas.openxmlformats.org/presentationml/2006/main">
+  <p:tag name="OTLMARKERSHAPE" val="OTL"/>
+</p:tagLst>
+</file>
+
+<file path=ppt/tags/tag312.xml><?xml version="1.0" encoding="utf-8"?>
+<p:tagLst xmlns:a="http://schemas.openxmlformats.org/drawingml/2006/main" xmlns:r="http://schemas.openxmlformats.org/officeDocument/2006/relationships" xmlns:p="http://schemas.openxmlformats.org/presentationml/2006/main">
+  <p:tag name="OTLMARKERSHAPE" val="OTL"/>
+</p:tagLst>
+</file>
+
+<file path=ppt/tags/tag313.xml><?xml version="1.0" encoding="utf-8"?>
+<p:tagLst xmlns:a="http://schemas.openxmlformats.org/drawingml/2006/main" xmlns:r="http://schemas.openxmlformats.org/officeDocument/2006/relationships" xmlns:p="http://schemas.openxmlformats.org/presentationml/2006/main">
+  <p:tag name="OTLMARKERSHAPE" val="OTL"/>
+</p:tagLst>
+</file>
+
+<file path=ppt/tags/tag314.xml><?xml version="1.0" encoding="utf-8"?>
+<p:tagLst xmlns:a="http://schemas.openxmlformats.org/drawingml/2006/main" xmlns:r="http://schemas.openxmlformats.org/officeDocument/2006/relationships" xmlns:p="http://schemas.openxmlformats.org/presentationml/2006/main">
+  <p:tag name="OTLMARKERSHAPE" val="OTL"/>
+</p:tagLst>
+</file>
+
+<file path=ppt/tags/tag315.xml><?xml version="1.0" encoding="utf-8"?>
+<p:tagLst xmlns:a="http://schemas.openxmlformats.org/drawingml/2006/main" xmlns:r="http://schemas.openxmlformats.org/officeDocument/2006/relationships" xmlns:p="http://schemas.openxmlformats.org/presentationml/2006/main">
+  <p:tag name="OTLMARKERSHAPE" val="OTL"/>
+</p:tagLst>
+</file>
+
+<file path=ppt/tags/tag316.xml><?xml version="1.0" encoding="utf-8"?>
+<p:tagLst xmlns:a="http://schemas.openxmlformats.org/drawingml/2006/main" xmlns:r="http://schemas.openxmlformats.org/officeDocument/2006/relationships" xmlns:p="http://schemas.openxmlformats.org/presentationml/2006/main">
+  <p:tag name="OTLMARKERSHAPE" val="OTL"/>
+</p:tagLst>
+</file>
+
+<file path=ppt/tags/tag317.xml><?xml version="1.0" encoding="utf-8"?>
+<p:tagLst xmlns:a="http://schemas.openxmlformats.org/drawingml/2006/main" xmlns:r="http://schemas.openxmlformats.org/officeDocument/2006/relationships" xmlns:p="http://schemas.openxmlformats.org/presentationml/2006/main">
+  <p:tag name="OTLMARKERSHAPE" val="OTL"/>
+</p:tagLst>
+</file>
+
+<file path=ppt/tags/tag318.xml><?xml version="1.0" encoding="utf-8"?>
+<p:tagLst xmlns:a="http://schemas.openxmlformats.org/drawingml/2006/main" xmlns:r="http://schemas.openxmlformats.org/officeDocument/2006/relationships" xmlns:p="http://schemas.openxmlformats.org/presentationml/2006/main">
+  <p:tag name="OTLMARKERSHAPE" val="OTL"/>
+</p:tagLst>
+</file>
+
+<file path=ppt/tags/tag319.xml><?xml version="1.0" encoding="utf-8"?>
+<p:tagLst xmlns:a="http://schemas.openxmlformats.org/drawingml/2006/main" xmlns:r="http://schemas.openxmlformats.org/officeDocument/2006/relationships" xmlns:p="http://schemas.openxmlformats.org/presentationml/2006/main">
+  <p:tag name="OTLMARKERSHAPE" val="OTL"/>
+</p:tagLst>
+</file>
+
 <file path=ppt/tags/tag32.xml><?xml version="1.0" encoding="utf-8"?>
 <p:tagLst xmlns:a="http://schemas.openxmlformats.org/drawingml/2006/main" xmlns:r="http://schemas.openxmlformats.org/officeDocument/2006/relationships" xmlns:p="http://schemas.openxmlformats.org/presentationml/2006/main">
   <p:tag name="OTLDATEFORMATSTRING" val="MMM d"/>
@@ -17662,6 +24209,66 @@
 </p:tagLst>
 </file>
 
+<file path=ppt/tags/tag320.xml><?xml version="1.0" encoding="utf-8"?>
+<p:tagLst xmlns:a="http://schemas.openxmlformats.org/drawingml/2006/main" xmlns:r="http://schemas.openxmlformats.org/officeDocument/2006/relationships" xmlns:p="http://schemas.openxmlformats.org/presentationml/2006/main">
+  <p:tag name="OTLMARKERSHAPE" val="OTL"/>
+</p:tagLst>
+</file>
+
+<file path=ppt/tags/tag321.xml><?xml version="1.0" encoding="utf-8"?>
+<p:tagLst xmlns:a="http://schemas.openxmlformats.org/drawingml/2006/main" xmlns:r="http://schemas.openxmlformats.org/officeDocument/2006/relationships" xmlns:p="http://schemas.openxmlformats.org/presentationml/2006/main">
+  <p:tag name="OTLMARKERSHAPE" val="OTL"/>
+</p:tagLst>
+</file>
+
+<file path=ppt/tags/tag322.xml><?xml version="1.0" encoding="utf-8"?>
+<p:tagLst xmlns:a="http://schemas.openxmlformats.org/drawingml/2006/main" xmlns:r="http://schemas.openxmlformats.org/officeDocument/2006/relationships" xmlns:p="http://schemas.openxmlformats.org/presentationml/2006/main">
+  <p:tag name="OTLMARKERSHAPE" val="OTL"/>
+</p:tagLst>
+</file>
+
+<file path=ppt/tags/tag323.xml><?xml version="1.0" encoding="utf-8"?>
+<p:tagLst xmlns:a="http://schemas.openxmlformats.org/drawingml/2006/main" xmlns:r="http://schemas.openxmlformats.org/officeDocument/2006/relationships" xmlns:p="http://schemas.openxmlformats.org/presentationml/2006/main">
+  <p:tag name="OTLMARKERSHAPE" val="OTL"/>
+</p:tagLst>
+</file>
+
+<file path=ppt/tags/tag324.xml><?xml version="1.0" encoding="utf-8"?>
+<p:tagLst xmlns:a="http://schemas.openxmlformats.org/drawingml/2006/main" xmlns:r="http://schemas.openxmlformats.org/officeDocument/2006/relationships" xmlns:p="http://schemas.openxmlformats.org/presentationml/2006/main">
+  <p:tag name="OTLMARKERSHAPE" val="OTL"/>
+</p:tagLst>
+</file>
+
+<file path=ppt/tags/tag325.xml><?xml version="1.0" encoding="utf-8"?>
+<p:tagLst xmlns:a="http://schemas.openxmlformats.org/drawingml/2006/main" xmlns:r="http://schemas.openxmlformats.org/officeDocument/2006/relationships" xmlns:p="http://schemas.openxmlformats.org/presentationml/2006/main">
+  <p:tag name="OTLMARKERSHAPE" val="OTL"/>
+</p:tagLst>
+</file>
+
+<file path=ppt/tags/tag326.xml><?xml version="1.0" encoding="utf-8"?>
+<p:tagLst xmlns:a="http://schemas.openxmlformats.org/drawingml/2006/main" xmlns:r="http://schemas.openxmlformats.org/officeDocument/2006/relationships" xmlns:p="http://schemas.openxmlformats.org/presentationml/2006/main">
+  <p:tag name="OTLMARKERSHAPE" val="OTL"/>
+</p:tagLst>
+</file>
+
+<file path=ppt/tags/tag327.xml><?xml version="1.0" encoding="utf-8"?>
+<p:tagLst xmlns:a="http://schemas.openxmlformats.org/drawingml/2006/main" xmlns:r="http://schemas.openxmlformats.org/officeDocument/2006/relationships" xmlns:p="http://schemas.openxmlformats.org/presentationml/2006/main">
+  <p:tag name="OTLMARKERSHAPE" val="OTL"/>
+</p:tagLst>
+</file>
+
+<file path=ppt/tags/tag328.xml><?xml version="1.0" encoding="utf-8"?>
+<p:tagLst xmlns:a="http://schemas.openxmlformats.org/drawingml/2006/main" xmlns:r="http://schemas.openxmlformats.org/officeDocument/2006/relationships" xmlns:p="http://schemas.openxmlformats.org/presentationml/2006/main">
+  <p:tag name="OTLMARKERSHAPE" val="OTL"/>
+</p:tagLst>
+</file>
+
+<file path=ppt/tags/tag329.xml><?xml version="1.0" encoding="utf-8"?>
+<p:tagLst xmlns:a="http://schemas.openxmlformats.org/drawingml/2006/main" xmlns:r="http://schemas.openxmlformats.org/officeDocument/2006/relationships" xmlns:p="http://schemas.openxmlformats.org/presentationml/2006/main">
+  <p:tag name="OTLMARKERSHAPE" val="OTL"/>
+</p:tagLst>
+</file>
+
 <file path=ppt/tags/tag33.xml><?xml version="1.0" encoding="utf-8"?>
 <p:tagLst xmlns:a="http://schemas.openxmlformats.org/drawingml/2006/main" xmlns:r="http://schemas.openxmlformats.org/officeDocument/2006/relationships" xmlns:p="http://schemas.openxmlformats.org/presentationml/2006/main">
   <p:tag name="OTLDATEFORMATSTRING" val="MMM d"/>
@@ -17683,6 +24290,66 @@
 </p:tagLst>
 </file>
 
+<file path=ppt/tags/tag330.xml><?xml version="1.0" encoding="utf-8"?>
+<p:tagLst xmlns:a="http://schemas.openxmlformats.org/drawingml/2006/main" xmlns:r="http://schemas.openxmlformats.org/officeDocument/2006/relationships" xmlns:p="http://schemas.openxmlformats.org/presentationml/2006/main">
+  <p:tag name="OTLMARKERSHAPE" val="OTL"/>
+</p:tagLst>
+</file>
+
+<file path=ppt/tags/tag331.xml><?xml version="1.0" encoding="utf-8"?>
+<p:tagLst xmlns:a="http://schemas.openxmlformats.org/drawingml/2006/main" xmlns:r="http://schemas.openxmlformats.org/officeDocument/2006/relationships" xmlns:p="http://schemas.openxmlformats.org/presentationml/2006/main">
+  <p:tag name="OTLMARKERSHAPE" val="OTL"/>
+</p:tagLst>
+</file>
+
+<file path=ppt/tags/tag332.xml><?xml version="1.0" encoding="utf-8"?>
+<p:tagLst xmlns:a="http://schemas.openxmlformats.org/drawingml/2006/main" xmlns:r="http://schemas.openxmlformats.org/officeDocument/2006/relationships" xmlns:p="http://schemas.openxmlformats.org/presentationml/2006/main">
+  <p:tag name="OTLMARKERSHAPE" val="OTL"/>
+</p:tagLst>
+</file>
+
+<file path=ppt/tags/tag333.xml><?xml version="1.0" encoding="utf-8"?>
+<p:tagLst xmlns:a="http://schemas.openxmlformats.org/drawingml/2006/main" xmlns:r="http://schemas.openxmlformats.org/officeDocument/2006/relationships" xmlns:p="http://schemas.openxmlformats.org/presentationml/2006/main">
+  <p:tag name="OTLMARKERSHAPE" val="OTL"/>
+</p:tagLst>
+</file>
+
+<file path=ppt/tags/tag334.xml><?xml version="1.0" encoding="utf-8"?>
+<p:tagLst xmlns:a="http://schemas.openxmlformats.org/drawingml/2006/main" xmlns:r="http://schemas.openxmlformats.org/officeDocument/2006/relationships" xmlns:p="http://schemas.openxmlformats.org/presentationml/2006/main">
+  <p:tag name="OTLMARKERSHAPE" val="OTL"/>
+</p:tagLst>
+</file>
+
+<file path=ppt/tags/tag335.xml><?xml version="1.0" encoding="utf-8"?>
+<p:tagLst xmlns:a="http://schemas.openxmlformats.org/drawingml/2006/main" xmlns:r="http://schemas.openxmlformats.org/officeDocument/2006/relationships" xmlns:p="http://schemas.openxmlformats.org/presentationml/2006/main">
+  <p:tag name="OTLMARKERSHAPE" val="OTL"/>
+</p:tagLst>
+</file>
+
+<file path=ppt/tags/tag336.xml><?xml version="1.0" encoding="utf-8"?>
+<p:tagLst xmlns:a="http://schemas.openxmlformats.org/drawingml/2006/main" xmlns:r="http://schemas.openxmlformats.org/officeDocument/2006/relationships" xmlns:p="http://schemas.openxmlformats.org/presentationml/2006/main">
+  <p:tag name="OTLMARKERSHAPE" val="OTL"/>
+</p:tagLst>
+</file>
+
+<file path=ppt/tags/tag337.xml><?xml version="1.0" encoding="utf-8"?>
+<p:tagLst xmlns:a="http://schemas.openxmlformats.org/drawingml/2006/main" xmlns:r="http://schemas.openxmlformats.org/officeDocument/2006/relationships" xmlns:p="http://schemas.openxmlformats.org/presentationml/2006/main">
+  <p:tag name="OTLMARKERSHAPE" val="OTL"/>
+</p:tagLst>
+</file>
+
+<file path=ppt/tags/tag338.xml><?xml version="1.0" encoding="utf-8"?>
+<p:tagLst xmlns:a="http://schemas.openxmlformats.org/drawingml/2006/main" xmlns:r="http://schemas.openxmlformats.org/officeDocument/2006/relationships" xmlns:p="http://schemas.openxmlformats.org/presentationml/2006/main">
+  <p:tag name="OTLMARKERSHAPE" val="OTL"/>
+</p:tagLst>
+</file>
+
+<file path=ppt/tags/tag339.xml><?xml version="1.0" encoding="utf-8"?>
+<p:tagLst xmlns:a="http://schemas.openxmlformats.org/drawingml/2006/main" xmlns:r="http://schemas.openxmlformats.org/officeDocument/2006/relationships" xmlns:p="http://schemas.openxmlformats.org/presentationml/2006/main">
+  <p:tag name="OTLMARKERSHAPE" val="OTL"/>
+</p:tagLst>
+</file>
+
 <file path=ppt/tags/tag34.xml><?xml version="1.0" encoding="utf-8"?>
 <p:tagLst xmlns:a="http://schemas.openxmlformats.org/drawingml/2006/main" xmlns:r="http://schemas.openxmlformats.org/officeDocument/2006/relationships" xmlns:p="http://schemas.openxmlformats.org/presentationml/2006/main">
   <p:tag name="OTLDATEFORMATSTRING" val="MMM d"/>
@@ -17704,6 +24371,66 @@
 </p:tagLst>
 </file>
 
+<file path=ppt/tags/tag340.xml><?xml version="1.0" encoding="utf-8"?>
+<p:tagLst xmlns:a="http://schemas.openxmlformats.org/drawingml/2006/main" xmlns:r="http://schemas.openxmlformats.org/officeDocument/2006/relationships" xmlns:p="http://schemas.openxmlformats.org/presentationml/2006/main">
+  <p:tag name="OTLMARKERSHAPE" val="OTL"/>
+</p:tagLst>
+</file>
+
+<file path=ppt/tags/tag341.xml><?xml version="1.0" encoding="utf-8"?>
+<p:tagLst xmlns:a="http://schemas.openxmlformats.org/drawingml/2006/main" xmlns:r="http://schemas.openxmlformats.org/officeDocument/2006/relationships" xmlns:p="http://schemas.openxmlformats.org/presentationml/2006/main">
+  <p:tag name="OTLMARKERSHAPE" val="OTL"/>
+</p:tagLst>
+</file>
+
+<file path=ppt/tags/tag342.xml><?xml version="1.0" encoding="utf-8"?>
+<p:tagLst xmlns:a="http://schemas.openxmlformats.org/drawingml/2006/main" xmlns:r="http://schemas.openxmlformats.org/officeDocument/2006/relationships" xmlns:p="http://schemas.openxmlformats.org/presentationml/2006/main">
+  <p:tag name="OTLMARKERSHAPE" val="OTL"/>
+</p:tagLst>
+</file>
+
+<file path=ppt/tags/tag343.xml><?xml version="1.0" encoding="utf-8"?>
+<p:tagLst xmlns:a="http://schemas.openxmlformats.org/drawingml/2006/main" xmlns:r="http://schemas.openxmlformats.org/officeDocument/2006/relationships" xmlns:p="http://schemas.openxmlformats.org/presentationml/2006/main">
+  <p:tag name="OTLMARKERSHAPE" val="OTL"/>
+</p:tagLst>
+</file>
+
+<file path=ppt/tags/tag344.xml><?xml version="1.0" encoding="utf-8"?>
+<p:tagLst xmlns:a="http://schemas.openxmlformats.org/drawingml/2006/main" xmlns:r="http://schemas.openxmlformats.org/officeDocument/2006/relationships" xmlns:p="http://schemas.openxmlformats.org/presentationml/2006/main">
+  <p:tag name="OTLMARKERSHAPE" val="OTL"/>
+</p:tagLst>
+</file>
+
+<file path=ppt/tags/tag345.xml><?xml version="1.0" encoding="utf-8"?>
+<p:tagLst xmlns:a="http://schemas.openxmlformats.org/drawingml/2006/main" xmlns:r="http://schemas.openxmlformats.org/officeDocument/2006/relationships" xmlns:p="http://schemas.openxmlformats.org/presentationml/2006/main">
+  <p:tag name="OTLMARKERSHAPE" val="OTL"/>
+</p:tagLst>
+</file>
+
+<file path=ppt/tags/tag346.xml><?xml version="1.0" encoding="utf-8"?>
+<p:tagLst xmlns:a="http://schemas.openxmlformats.org/drawingml/2006/main" xmlns:r="http://schemas.openxmlformats.org/officeDocument/2006/relationships" xmlns:p="http://schemas.openxmlformats.org/presentationml/2006/main">
+  <p:tag name="OTLMARKERSHAPE" val="OTL"/>
+</p:tagLst>
+</file>
+
+<file path=ppt/tags/tag347.xml><?xml version="1.0" encoding="utf-8"?>
+<p:tagLst xmlns:a="http://schemas.openxmlformats.org/drawingml/2006/main" xmlns:r="http://schemas.openxmlformats.org/officeDocument/2006/relationships" xmlns:p="http://schemas.openxmlformats.org/presentationml/2006/main">
+  <p:tag name="OTLMARKERSHAPE" val="OTL"/>
+</p:tagLst>
+</file>
+
+<file path=ppt/tags/tag348.xml><?xml version="1.0" encoding="utf-8"?>
+<p:tagLst xmlns:a="http://schemas.openxmlformats.org/drawingml/2006/main" xmlns:r="http://schemas.openxmlformats.org/officeDocument/2006/relationships" xmlns:p="http://schemas.openxmlformats.org/presentationml/2006/main">
+  <p:tag name="OTLMARKERSHAPE" val="OTL"/>
+</p:tagLst>
+</file>
+
+<file path=ppt/tags/tag349.xml><?xml version="1.0" encoding="utf-8"?>
+<p:tagLst xmlns:a="http://schemas.openxmlformats.org/drawingml/2006/main" xmlns:r="http://schemas.openxmlformats.org/officeDocument/2006/relationships" xmlns:p="http://schemas.openxmlformats.org/presentationml/2006/main">
+  <p:tag name="OTLMARKERSHAPE" val="OTL"/>
+</p:tagLst>
+</file>
+
 <file path=ppt/tags/tag35.xml><?xml version="1.0" encoding="utf-8"?>
 <p:tagLst xmlns:a="http://schemas.openxmlformats.org/drawingml/2006/main" xmlns:r="http://schemas.openxmlformats.org/officeDocument/2006/relationships" xmlns:p="http://schemas.openxmlformats.org/presentationml/2006/main">
   <p:tag name="OTLDATEFORMATSTRING" val="MMM d"/>
@@ -17725,6 +24452,66 @@
 </p:tagLst>
 </file>
 
+<file path=ppt/tags/tag350.xml><?xml version="1.0" encoding="utf-8"?>
+<p:tagLst xmlns:a="http://schemas.openxmlformats.org/drawingml/2006/main" xmlns:r="http://schemas.openxmlformats.org/officeDocument/2006/relationships" xmlns:p="http://schemas.openxmlformats.org/presentationml/2006/main">
+  <p:tag name="OTLMARKERSHAPE" val="OTL"/>
+</p:tagLst>
+</file>
+
+<file path=ppt/tags/tag351.xml><?xml version="1.0" encoding="utf-8"?>
+<p:tagLst xmlns:a="http://schemas.openxmlformats.org/drawingml/2006/main" xmlns:r="http://schemas.openxmlformats.org/officeDocument/2006/relationships" xmlns:p="http://schemas.openxmlformats.org/presentationml/2006/main">
+  <p:tag name="OTLMARKERSHAPE" val="OTL"/>
+</p:tagLst>
+</file>
+
+<file path=ppt/tags/tag352.xml><?xml version="1.0" encoding="utf-8"?>
+<p:tagLst xmlns:a="http://schemas.openxmlformats.org/drawingml/2006/main" xmlns:r="http://schemas.openxmlformats.org/officeDocument/2006/relationships" xmlns:p="http://schemas.openxmlformats.org/presentationml/2006/main">
+  <p:tag name="OTLMARKERSHAPE" val="OTL"/>
+</p:tagLst>
+</file>
+
+<file path=ppt/tags/tag353.xml><?xml version="1.0" encoding="utf-8"?>
+<p:tagLst xmlns:a="http://schemas.openxmlformats.org/drawingml/2006/main" xmlns:r="http://schemas.openxmlformats.org/officeDocument/2006/relationships" xmlns:p="http://schemas.openxmlformats.org/presentationml/2006/main">
+  <p:tag name="OTLMARKERSHAPE" val="OTL"/>
+</p:tagLst>
+</file>
+
+<file path=ppt/tags/tag354.xml><?xml version="1.0" encoding="utf-8"?>
+<p:tagLst xmlns:a="http://schemas.openxmlformats.org/drawingml/2006/main" xmlns:r="http://schemas.openxmlformats.org/officeDocument/2006/relationships" xmlns:p="http://schemas.openxmlformats.org/presentationml/2006/main">
+  <p:tag name="OTLMARKERSHAPE" val="OTL"/>
+</p:tagLst>
+</file>
+
+<file path=ppt/tags/tag355.xml><?xml version="1.0" encoding="utf-8"?>
+<p:tagLst xmlns:a="http://schemas.openxmlformats.org/drawingml/2006/main" xmlns:r="http://schemas.openxmlformats.org/officeDocument/2006/relationships" xmlns:p="http://schemas.openxmlformats.org/presentationml/2006/main">
+  <p:tag name="OTLMARKERSHAPE" val="OTL"/>
+</p:tagLst>
+</file>
+
+<file path=ppt/tags/tag356.xml><?xml version="1.0" encoding="utf-8"?>
+<p:tagLst xmlns:a="http://schemas.openxmlformats.org/drawingml/2006/main" xmlns:r="http://schemas.openxmlformats.org/officeDocument/2006/relationships" xmlns:p="http://schemas.openxmlformats.org/presentationml/2006/main">
+  <p:tag name="OTLMARKERSHAPE" val="OTL"/>
+</p:tagLst>
+</file>
+
+<file path=ppt/tags/tag357.xml><?xml version="1.0" encoding="utf-8"?>
+<p:tagLst xmlns:a="http://schemas.openxmlformats.org/drawingml/2006/main" xmlns:r="http://schemas.openxmlformats.org/officeDocument/2006/relationships" xmlns:p="http://schemas.openxmlformats.org/presentationml/2006/main">
+  <p:tag name="OTLMARKERSHAPE" val="OTL"/>
+</p:tagLst>
+</file>
+
+<file path=ppt/tags/tag358.xml><?xml version="1.0" encoding="utf-8"?>
+<p:tagLst xmlns:a="http://schemas.openxmlformats.org/drawingml/2006/main" xmlns:r="http://schemas.openxmlformats.org/officeDocument/2006/relationships" xmlns:p="http://schemas.openxmlformats.org/presentationml/2006/main">
+  <p:tag name="OTLMARKERSHAPE" val="OTL"/>
+</p:tagLst>
+</file>
+
+<file path=ppt/tags/tag359.xml><?xml version="1.0" encoding="utf-8"?>
+<p:tagLst xmlns:a="http://schemas.openxmlformats.org/drawingml/2006/main" xmlns:r="http://schemas.openxmlformats.org/officeDocument/2006/relationships" xmlns:p="http://schemas.openxmlformats.org/presentationml/2006/main">
+  <p:tag name="OTLMARKERSHAPE" val="OTL"/>
+</p:tagLst>
+</file>
+
 <file path=ppt/tags/tag36.xml><?xml version="1.0" encoding="utf-8"?>
 <p:tagLst xmlns:a="http://schemas.openxmlformats.org/drawingml/2006/main" xmlns:r="http://schemas.openxmlformats.org/officeDocument/2006/relationships" xmlns:p="http://schemas.openxmlformats.org/presentationml/2006/main">
   <p:tag name="OTLDATEFORMATSTRING" val="MMM d"/>
@@ -17746,9 +24533,111 @@
 </p:tagLst>
 </file>
 
+<file path=ppt/tags/tag360.xml><?xml version="1.0" encoding="utf-8"?>
+<p:tagLst xmlns:a="http://schemas.openxmlformats.org/drawingml/2006/main" xmlns:r="http://schemas.openxmlformats.org/officeDocument/2006/relationships" xmlns:p="http://schemas.openxmlformats.org/presentationml/2006/main">
+  <p:tag name="OTLMARKERSHAPE" val="OTL"/>
+</p:tagLst>
+</file>
+
+<file path=ppt/tags/tag361.xml><?xml version="1.0" encoding="utf-8"?>
+<p:tagLst xmlns:a="http://schemas.openxmlformats.org/drawingml/2006/main" xmlns:r="http://schemas.openxmlformats.org/officeDocument/2006/relationships" xmlns:p="http://schemas.openxmlformats.org/presentationml/2006/main">
+  <p:tag name="OTLMARKERSHAPE" val="OTL"/>
+</p:tagLst>
+</file>
+
+<file path=ppt/tags/tag362.xml><?xml version="1.0" encoding="utf-8"?>
+<p:tagLst xmlns:a="http://schemas.openxmlformats.org/drawingml/2006/main" xmlns:r="http://schemas.openxmlformats.org/officeDocument/2006/relationships" xmlns:p="http://schemas.openxmlformats.org/presentationml/2006/main">
+  <p:tag name="OTLMARKERSHAPE" val="OTL"/>
+</p:tagLst>
+</file>
+
+<file path=ppt/tags/tag363.xml><?xml version="1.0" encoding="utf-8"?>
+<p:tagLst xmlns:a="http://schemas.openxmlformats.org/drawingml/2006/main" xmlns:r="http://schemas.openxmlformats.org/officeDocument/2006/relationships" xmlns:p="http://schemas.openxmlformats.org/presentationml/2006/main">
+  <p:tag name="OTLMARKERSHAPE" val="OTL"/>
+</p:tagLst>
+</file>
+
+<file path=ppt/tags/tag364.xml><?xml version="1.0" encoding="utf-8"?>
+<p:tagLst xmlns:a="http://schemas.openxmlformats.org/drawingml/2006/main" xmlns:r="http://schemas.openxmlformats.org/officeDocument/2006/relationships" xmlns:p="http://schemas.openxmlformats.org/presentationml/2006/main">
+  <p:tag name="OTLMARKERSHAPE" val="OTL"/>
+</p:tagLst>
+</file>
+
+<file path=ppt/tags/tag365.xml><?xml version="1.0" encoding="utf-8"?>
+<p:tagLst xmlns:a="http://schemas.openxmlformats.org/drawingml/2006/main" xmlns:r="http://schemas.openxmlformats.org/officeDocument/2006/relationships" xmlns:p="http://schemas.openxmlformats.org/presentationml/2006/main">
+  <p:tag name="OTLMARKERSHAPE" val="OTL"/>
+</p:tagLst>
+</file>
+
+<file path=ppt/tags/tag366.xml><?xml version="1.0" encoding="utf-8"?>
+<p:tagLst xmlns:a="http://schemas.openxmlformats.org/drawingml/2006/main" xmlns:r="http://schemas.openxmlformats.org/officeDocument/2006/relationships" xmlns:p="http://schemas.openxmlformats.org/presentationml/2006/main">
+  <p:tag name="OTLMARKERSHAPE" val="OTL"/>
+</p:tagLst>
+</file>
+
+<file path=ppt/tags/tag367.xml><?xml version="1.0" encoding="utf-8"?>
+<p:tagLst xmlns:a="http://schemas.openxmlformats.org/drawingml/2006/main" xmlns:r="http://schemas.openxmlformats.org/officeDocument/2006/relationships" xmlns:p="http://schemas.openxmlformats.org/presentationml/2006/main">
+  <p:tag name="OTLMARKERSHAPE" val="OTL"/>
+</p:tagLst>
+</file>
+
+<file path=ppt/tags/tag368.xml><?xml version="1.0" encoding="utf-8"?>
+<p:tagLst xmlns:a="http://schemas.openxmlformats.org/drawingml/2006/main" xmlns:r="http://schemas.openxmlformats.org/officeDocument/2006/relationships" xmlns:p="http://schemas.openxmlformats.org/presentationml/2006/main">
+  <p:tag name="OTLMARKERSHAPE" val="OTL"/>
+</p:tagLst>
+</file>
+
+<file path=ppt/tags/tag369.xml><?xml version="1.0" encoding="utf-8"?>
+<p:tagLst xmlns:a="http://schemas.openxmlformats.org/drawingml/2006/main" xmlns:r="http://schemas.openxmlformats.org/officeDocument/2006/relationships" xmlns:p="http://schemas.openxmlformats.org/presentationml/2006/main">
+  <p:tag name="OTLMARKERSHAPE" val="OTL"/>
+</p:tagLst>
+</file>
+
 <file path=ppt/tags/tag37.xml><?xml version="1.0" encoding="utf-8"?>
 <p:tagLst xmlns:a="http://schemas.openxmlformats.org/drawingml/2006/main" xmlns:r="http://schemas.openxmlformats.org/officeDocument/2006/relationships" xmlns:p="http://schemas.openxmlformats.org/presentationml/2006/main">
   <p:tag name="OTLELAPSEDSTYLE" val="Thick"/>
+  <p:tag name="OTLMARKERSHAPE" val="OTL"/>
+</p:tagLst>
+</file>
+
+<file path=ppt/tags/tag370.xml><?xml version="1.0" encoding="utf-8"?>
+<p:tagLst xmlns:a="http://schemas.openxmlformats.org/drawingml/2006/main" xmlns:r="http://schemas.openxmlformats.org/officeDocument/2006/relationships" xmlns:p="http://schemas.openxmlformats.org/presentationml/2006/main">
+  <p:tag name="OTLMARKERSHAPE" val="OTL"/>
+</p:tagLst>
+</file>
+
+<file path=ppt/tags/tag371.xml><?xml version="1.0" encoding="utf-8"?>
+<p:tagLst xmlns:a="http://schemas.openxmlformats.org/drawingml/2006/main" xmlns:r="http://schemas.openxmlformats.org/officeDocument/2006/relationships" xmlns:p="http://schemas.openxmlformats.org/presentationml/2006/main">
+  <p:tag name="OTLMARKERSHAPE" val="OTL"/>
+</p:tagLst>
+</file>
+
+<file path=ppt/tags/tag372.xml><?xml version="1.0" encoding="utf-8"?>
+<p:tagLst xmlns:a="http://schemas.openxmlformats.org/drawingml/2006/main" xmlns:r="http://schemas.openxmlformats.org/officeDocument/2006/relationships" xmlns:p="http://schemas.openxmlformats.org/presentationml/2006/main">
+  <p:tag name="OTLMARKERSHAPE" val="OTL"/>
+</p:tagLst>
+</file>
+
+<file path=ppt/tags/tag373.xml><?xml version="1.0" encoding="utf-8"?>
+<p:tagLst xmlns:a="http://schemas.openxmlformats.org/drawingml/2006/main" xmlns:r="http://schemas.openxmlformats.org/officeDocument/2006/relationships" xmlns:p="http://schemas.openxmlformats.org/presentationml/2006/main">
+  <p:tag name="OTLMARKERSHAPE" val="OTL"/>
+</p:tagLst>
+</file>
+
+<file path=ppt/tags/tag374.xml><?xml version="1.0" encoding="utf-8"?>
+<p:tagLst xmlns:a="http://schemas.openxmlformats.org/drawingml/2006/main" xmlns:r="http://schemas.openxmlformats.org/officeDocument/2006/relationships" xmlns:p="http://schemas.openxmlformats.org/presentationml/2006/main">
+  <p:tag name="OTLMARKERSHAPE" val="OTL"/>
+</p:tagLst>
+</file>
+
+<file path=ppt/tags/tag375.xml><?xml version="1.0" encoding="utf-8"?>
+<p:tagLst xmlns:a="http://schemas.openxmlformats.org/drawingml/2006/main" xmlns:r="http://schemas.openxmlformats.org/officeDocument/2006/relationships" xmlns:p="http://schemas.openxmlformats.org/presentationml/2006/main">
+  <p:tag name="OTLMARKERSHAPE" val="OTL"/>
+</p:tagLst>
+</file>
+
+<file path=ppt/tags/tag376.xml><?xml version="1.0" encoding="utf-8"?>
+<p:tagLst xmlns:a="http://schemas.openxmlformats.org/drawingml/2006/main" xmlns:r="http://schemas.openxmlformats.org/officeDocument/2006/relationships" xmlns:p="http://schemas.openxmlformats.org/presentationml/2006/main">
   <p:tag name="OTLMARKERSHAPE" val="OTL"/>
 </p:tagLst>
 </file>

--- a/Concept/Car-Project Schedule.pptx
+++ b/Concept/Car-Project Schedule.pptx
@@ -8,6 +8,7 @@
     <p:sldId id="257" r:id="rId2"/>
     <p:sldId id="258" r:id="rId3"/>
     <p:sldId id="259" r:id="rId4"/>
+    <p:sldId id="260" r:id="rId5"/>
   </p:sldIdLst>
   <p:sldSz cx="12192000" cy="6858000"/>
   <p:notesSz cx="6858000" cy="9144000"/>
@@ -245,7 +246,7 @@
           <a:p>
             <a:fld id="{4BA0D007-2CFE-49FB-8BB1-98F606660035}" type="datetimeFigureOut">
               <a:rPr lang="en-US" smtClean="0"/>
-              <a:t>5/21/2022</a:t>
+              <a:t>5/24/2022</a:t>
             </a:fld>
             <a:endParaRPr lang="en-US"/>
           </a:p>
@@ -415,7 +416,7 @@
           <a:p>
             <a:fld id="{4BA0D007-2CFE-49FB-8BB1-98F606660035}" type="datetimeFigureOut">
               <a:rPr lang="en-US" smtClean="0"/>
-              <a:t>5/21/2022</a:t>
+              <a:t>5/24/2022</a:t>
             </a:fld>
             <a:endParaRPr lang="en-US"/>
           </a:p>
@@ -595,7 +596,7 @@
           <a:p>
             <a:fld id="{4BA0D007-2CFE-49FB-8BB1-98F606660035}" type="datetimeFigureOut">
               <a:rPr lang="en-US" smtClean="0"/>
-              <a:t>5/21/2022</a:t>
+              <a:t>5/24/2022</a:t>
             </a:fld>
             <a:endParaRPr lang="en-US"/>
           </a:p>
@@ -765,7 +766,7 @@
           <a:p>
             <a:fld id="{4BA0D007-2CFE-49FB-8BB1-98F606660035}" type="datetimeFigureOut">
               <a:rPr lang="en-US" smtClean="0"/>
-              <a:t>5/21/2022</a:t>
+              <a:t>5/24/2022</a:t>
             </a:fld>
             <a:endParaRPr lang="en-US"/>
           </a:p>
@@ -1011,7 +1012,7 @@
           <a:p>
             <a:fld id="{4BA0D007-2CFE-49FB-8BB1-98F606660035}" type="datetimeFigureOut">
               <a:rPr lang="en-US" smtClean="0"/>
-              <a:t>5/21/2022</a:t>
+              <a:t>5/24/2022</a:t>
             </a:fld>
             <a:endParaRPr lang="en-US"/>
           </a:p>
@@ -1243,7 +1244,7 @@
           <a:p>
             <a:fld id="{4BA0D007-2CFE-49FB-8BB1-98F606660035}" type="datetimeFigureOut">
               <a:rPr lang="en-US" smtClean="0"/>
-              <a:t>5/21/2022</a:t>
+              <a:t>5/24/2022</a:t>
             </a:fld>
             <a:endParaRPr lang="en-US"/>
           </a:p>
@@ -1610,7 +1611,7 @@
           <a:p>
             <a:fld id="{4BA0D007-2CFE-49FB-8BB1-98F606660035}" type="datetimeFigureOut">
               <a:rPr lang="en-US" smtClean="0"/>
-              <a:t>5/21/2022</a:t>
+              <a:t>5/24/2022</a:t>
             </a:fld>
             <a:endParaRPr lang="en-US"/>
           </a:p>
@@ -1728,7 +1729,7 @@
           <a:p>
             <a:fld id="{4BA0D007-2CFE-49FB-8BB1-98F606660035}" type="datetimeFigureOut">
               <a:rPr lang="en-US" smtClean="0"/>
-              <a:t>5/21/2022</a:t>
+              <a:t>5/24/2022</a:t>
             </a:fld>
             <a:endParaRPr lang="en-US"/>
           </a:p>
@@ -1823,7 +1824,7 @@
           <a:p>
             <a:fld id="{4BA0D007-2CFE-49FB-8BB1-98F606660035}" type="datetimeFigureOut">
               <a:rPr lang="en-US" smtClean="0"/>
-              <a:t>5/21/2022</a:t>
+              <a:t>5/24/2022</a:t>
             </a:fld>
             <a:endParaRPr lang="en-US"/>
           </a:p>
@@ -2100,7 +2101,7 @@
           <a:p>
             <a:fld id="{4BA0D007-2CFE-49FB-8BB1-98F606660035}" type="datetimeFigureOut">
               <a:rPr lang="en-US" smtClean="0"/>
-              <a:t>5/21/2022</a:t>
+              <a:t>5/24/2022</a:t>
             </a:fld>
             <a:endParaRPr lang="en-US"/>
           </a:p>
@@ -2353,7 +2354,7 @@
           <a:p>
             <a:fld id="{4BA0D007-2CFE-49FB-8BB1-98F606660035}" type="datetimeFigureOut">
               <a:rPr lang="en-US" smtClean="0"/>
-              <a:t>5/21/2022</a:t>
+              <a:t>5/24/2022</a:t>
             </a:fld>
             <a:endParaRPr lang="en-US"/>
           </a:p>
@@ -2566,7 +2567,7 @@
           <a:p>
             <a:fld id="{4BA0D007-2CFE-49FB-8BB1-98F606660035}" type="datetimeFigureOut">
               <a:rPr lang="en-US" smtClean="0"/>
-              <a:t>5/21/2022</a:t>
+              <a:t>5/24/2022</a:t>
             </a:fld>
             <a:endParaRPr lang="en-US"/>
           </a:p>
@@ -22276,6 +22277,6405 @@
 </p:sld>
 </file>
 
+<file path=ppt/slides/slide4.xml><?xml version="1.0" encoding="utf-8"?>
+<p:sld xmlns:a="http://schemas.openxmlformats.org/drawingml/2006/main" xmlns:r="http://schemas.openxmlformats.org/officeDocument/2006/relationships" xmlns:p="http://schemas.openxmlformats.org/presentationml/2006/main">
+  <p:cSld>
+    <p:spTree>
+      <p:nvGrpSpPr>
+        <p:cNvPr id="1" name=""/>
+        <p:cNvGrpSpPr/>
+        <p:nvPr/>
+      </p:nvGrpSpPr>
+      <p:grpSpPr>
+        <a:xfrm>
+          <a:off x="0" y="0"/>
+          <a:ext cx="0" cy="0"/>
+          <a:chOff x="0" y="0"/>
+          <a:chExt cx="0" cy="0"/>
+        </a:xfrm>
+      </p:grpSpPr>
+      <p:sp>
+        <p:nvSpPr>
+          <p:cNvPr id="11" name="OTLSHAPE_SL_93b0b08ffe0b4763bf4df938f38df717_BackgroundRectangle"/>
+          <p:cNvSpPr/>
+          <p:nvPr>
+            <p:custDataLst>
+              <p:tags r:id="rId2"/>
+            </p:custDataLst>
+          </p:nvPr>
+        </p:nvSpPr>
+        <p:spPr>
+          <a:xfrm>
+            <a:off x="63500" y="3945255"/>
+            <a:ext cx="11125200" cy="1612900"/>
+          </a:xfrm>
+          <a:prstGeom prst="rect">
+            <a:avLst/>
+          </a:prstGeom>
+          <a:solidFill>
+            <a:schemeClr val="accent3">
+              <a:alpha val="20000"/>
+            </a:schemeClr>
+          </a:solidFill>
+          <a:ln w="12700" cap="flat" cmpd="sng" algn="ctr">
+            <a:noFill/>
+            <a:prstDash val="solid"/>
+            <a:miter lim="800000"/>
+          </a:ln>
+          <a:effectLst/>
+          <a:extLst>
+            <a:ext uri="{91240B29-F687-4F45-9708-019B960494DF}">
+              <a14:hiddenLine xmlns:a14="http://schemas.microsoft.com/office/drawing/2010/main" w="12700" cap="flat" cmpd="sng" algn="ctr">
+                <a:solidFill>
+                  <a:schemeClr val="accent1">
+                    <a:shade val="50000"/>
+                  </a:schemeClr>
+                </a:solidFill>
+                <a:prstDash val="solid"/>
+                <a:miter lim="800000"/>
+              </a14:hiddenLine>
+            </a:ext>
+          </a:extLst>
+        </p:spPr>
+        <p:style>
+          <a:lnRef idx="2">
+            <a:schemeClr val="accent1">
+              <a:shade val="50000"/>
+            </a:schemeClr>
+          </a:lnRef>
+          <a:fillRef idx="1">
+            <a:schemeClr val="accent1"/>
+          </a:fillRef>
+          <a:effectRef idx="0">
+            <a:schemeClr val="accent1"/>
+          </a:effectRef>
+          <a:fontRef idx="minor">
+            <a:schemeClr val="lt1"/>
+          </a:fontRef>
+        </p:style>
+        <p:txBody>
+          <a:bodyPr rtlCol="0" anchor="ctr"/>
+          <a:lstStyle/>
+          <a:p>
+            <a:pPr algn="ctr"/>
+            <a:endParaRPr lang="en-US"/>
+          </a:p>
+        </p:txBody>
+      </p:sp>
+      <p:sp>
+        <p:nvSpPr>
+          <p:cNvPr id="14" name="OTLSHAPE_SL_e20ac6c3ca0f45ddbb495b18aba18a3d_BackgroundRectangle"/>
+          <p:cNvSpPr/>
+          <p:nvPr>
+            <p:custDataLst>
+              <p:tags r:id="rId3"/>
+            </p:custDataLst>
+          </p:nvPr>
+        </p:nvSpPr>
+        <p:spPr>
+          <a:xfrm>
+            <a:off x="63500" y="5621655"/>
+            <a:ext cx="11125200" cy="812800"/>
+          </a:xfrm>
+          <a:prstGeom prst="rect">
+            <a:avLst/>
+          </a:prstGeom>
+          <a:solidFill>
+            <a:schemeClr val="accent3">
+              <a:alpha val="20000"/>
+            </a:schemeClr>
+          </a:solidFill>
+          <a:ln w="12700" cap="flat" cmpd="sng" algn="ctr">
+            <a:noFill/>
+            <a:prstDash val="solid"/>
+            <a:miter lim="800000"/>
+          </a:ln>
+          <a:effectLst/>
+          <a:extLst>
+            <a:ext uri="{91240B29-F687-4F45-9708-019B960494DF}">
+              <a14:hiddenLine xmlns:a14="http://schemas.microsoft.com/office/drawing/2010/main" w="12700" cap="flat" cmpd="sng" algn="ctr">
+                <a:solidFill>
+                  <a:schemeClr val="accent1">
+                    <a:shade val="50000"/>
+                  </a:schemeClr>
+                </a:solidFill>
+                <a:prstDash val="solid"/>
+                <a:miter lim="800000"/>
+              </a14:hiddenLine>
+            </a:ext>
+          </a:extLst>
+        </p:spPr>
+        <p:style>
+          <a:lnRef idx="2">
+            <a:schemeClr val="accent1">
+              <a:shade val="50000"/>
+            </a:schemeClr>
+          </a:lnRef>
+          <a:fillRef idx="1">
+            <a:schemeClr val="accent1"/>
+          </a:fillRef>
+          <a:effectRef idx="0">
+            <a:schemeClr val="accent1"/>
+          </a:effectRef>
+          <a:fontRef idx="minor">
+            <a:schemeClr val="lt1"/>
+          </a:fontRef>
+        </p:style>
+        <p:txBody>
+          <a:bodyPr rtlCol="0" anchor="ctr"/>
+          <a:lstStyle/>
+          <a:p>
+            <a:pPr algn="ctr"/>
+            <a:endParaRPr lang="en-US"/>
+          </a:p>
+        </p:txBody>
+      </p:sp>
+      <p:sp>
+        <p:nvSpPr>
+          <p:cNvPr id="29" name="OTLSHAPE_SL2A_a95ae0a881c047dcac3931e6f7201637_BackgroundRectangle" hidden="1"/>
+          <p:cNvSpPr/>
+          <p:nvPr>
+            <p:custDataLst>
+              <p:tags r:id="rId4"/>
+            </p:custDataLst>
+          </p:nvPr>
+        </p:nvSpPr>
+        <p:spPr>
+          <a:xfrm>
+            <a:off x="2095500" y="3945255"/>
+            <a:ext cx="9093200" cy="1612900"/>
+          </a:xfrm>
+          <a:prstGeom prst="rect">
+            <a:avLst/>
+          </a:prstGeom>
+          <a:solidFill>
+            <a:schemeClr val="accent3">
+              <a:alpha val="20000"/>
+            </a:schemeClr>
+          </a:solidFill>
+          <a:ln w="12700" cap="flat" cmpd="sng" algn="ctr">
+            <a:noFill/>
+            <a:prstDash val="solid"/>
+            <a:miter lim="800000"/>
+          </a:ln>
+          <a:effectLst/>
+          <a:extLst>
+            <a:ext uri="{91240B29-F687-4F45-9708-019B960494DF}">
+              <a14:hiddenLine xmlns:a14="http://schemas.microsoft.com/office/drawing/2010/main" w="12700" cap="flat" cmpd="sng" algn="ctr">
+                <a:solidFill>
+                  <a:schemeClr val="accent1">
+                    <a:shade val="50000"/>
+                  </a:schemeClr>
+                </a:solidFill>
+                <a:prstDash val="solid"/>
+                <a:miter lim="800000"/>
+              </a14:hiddenLine>
+            </a:ext>
+          </a:extLst>
+        </p:spPr>
+        <p:style>
+          <a:lnRef idx="2">
+            <a:schemeClr val="accent1">
+              <a:shade val="50000"/>
+            </a:schemeClr>
+          </a:lnRef>
+          <a:fillRef idx="1">
+            <a:schemeClr val="accent1"/>
+          </a:fillRef>
+          <a:effectRef idx="0">
+            <a:schemeClr val="accent1"/>
+          </a:effectRef>
+          <a:fontRef idx="minor">
+            <a:schemeClr val="lt1"/>
+          </a:fontRef>
+        </p:style>
+        <p:txBody>
+          <a:bodyPr rtlCol="0" anchor="ctr"/>
+          <a:lstStyle/>
+          <a:p>
+            <a:pPr algn="ctr"/>
+            <a:endParaRPr lang="en-US"/>
+          </a:p>
+        </p:txBody>
+      </p:sp>
+      <p:sp>
+        <p:nvSpPr>
+          <p:cNvPr id="56" name="OTLSHAPE_SL2A_dc076fcdd1be4207b5f93815b38cd91e_BackgroundRectangle" hidden="1"/>
+          <p:cNvSpPr/>
+          <p:nvPr>
+            <p:custDataLst>
+              <p:tags r:id="rId5"/>
+            </p:custDataLst>
+          </p:nvPr>
+        </p:nvSpPr>
+        <p:spPr>
+          <a:xfrm>
+            <a:off x="2095500" y="5621655"/>
+            <a:ext cx="9093200" cy="812800"/>
+          </a:xfrm>
+          <a:prstGeom prst="rect">
+            <a:avLst/>
+          </a:prstGeom>
+          <a:solidFill>
+            <a:schemeClr val="accent3">
+              <a:alpha val="20000"/>
+            </a:schemeClr>
+          </a:solidFill>
+          <a:ln w="12700" cap="flat" cmpd="sng" algn="ctr">
+            <a:noFill/>
+            <a:prstDash val="solid"/>
+            <a:miter lim="800000"/>
+          </a:ln>
+          <a:effectLst/>
+          <a:extLst>
+            <a:ext uri="{91240B29-F687-4F45-9708-019B960494DF}">
+              <a14:hiddenLine xmlns:a14="http://schemas.microsoft.com/office/drawing/2010/main" w="12700" cap="flat" cmpd="sng" algn="ctr">
+                <a:solidFill>
+                  <a:schemeClr val="accent1">
+                    <a:shade val="50000"/>
+                  </a:schemeClr>
+                </a:solidFill>
+                <a:prstDash val="solid"/>
+                <a:miter lim="800000"/>
+              </a14:hiddenLine>
+            </a:ext>
+          </a:extLst>
+        </p:spPr>
+        <p:style>
+          <a:lnRef idx="2">
+            <a:schemeClr val="accent1">
+              <a:shade val="50000"/>
+            </a:schemeClr>
+          </a:lnRef>
+          <a:fillRef idx="1">
+            <a:schemeClr val="accent1"/>
+          </a:fillRef>
+          <a:effectRef idx="0">
+            <a:schemeClr val="accent1"/>
+          </a:effectRef>
+          <a:fontRef idx="minor">
+            <a:schemeClr val="lt1"/>
+          </a:fontRef>
+        </p:style>
+        <p:txBody>
+          <a:bodyPr rtlCol="0" anchor="ctr"/>
+          <a:lstStyle/>
+          <a:p>
+            <a:pPr algn="ctr"/>
+            <a:endParaRPr lang="en-US"/>
+          </a:p>
+        </p:txBody>
+      </p:sp>
+      <p:sp>
+        <p:nvSpPr>
+          <p:cNvPr id="114" name="OTLSHAPE_SL_f83814d4db5f4446a686bf6806a7fec9_BackgroundRectangle"/>
+          <p:cNvSpPr/>
+          <p:nvPr>
+            <p:custDataLst>
+              <p:tags r:id="rId6"/>
+            </p:custDataLst>
+          </p:nvPr>
+        </p:nvSpPr>
+        <p:spPr>
+          <a:xfrm>
+            <a:off x="63500" y="6497955"/>
+            <a:ext cx="11125200" cy="279400"/>
+          </a:xfrm>
+          <a:prstGeom prst="rect">
+            <a:avLst/>
+          </a:prstGeom>
+          <a:solidFill>
+            <a:schemeClr val="accent3">
+              <a:alpha val="20000"/>
+            </a:schemeClr>
+          </a:solidFill>
+          <a:ln w="12700" cap="flat" cmpd="sng" algn="ctr">
+            <a:noFill/>
+            <a:prstDash val="solid"/>
+            <a:miter lim="800000"/>
+          </a:ln>
+          <a:effectLst/>
+          <a:extLst>
+            <a:ext uri="{91240B29-F687-4F45-9708-019B960494DF}">
+              <a14:hiddenLine xmlns:a14="http://schemas.microsoft.com/office/drawing/2010/main" w="12700" cap="flat" cmpd="sng" algn="ctr">
+                <a:solidFill>
+                  <a:schemeClr val="accent1">
+                    <a:shade val="50000"/>
+                  </a:schemeClr>
+                </a:solidFill>
+                <a:prstDash val="solid"/>
+                <a:miter lim="800000"/>
+              </a14:hiddenLine>
+            </a:ext>
+          </a:extLst>
+        </p:spPr>
+        <p:style>
+          <a:lnRef idx="2">
+            <a:schemeClr val="accent1">
+              <a:shade val="50000"/>
+            </a:schemeClr>
+          </a:lnRef>
+          <a:fillRef idx="1">
+            <a:schemeClr val="accent1"/>
+          </a:fillRef>
+          <a:effectRef idx="0">
+            <a:schemeClr val="accent1"/>
+          </a:effectRef>
+          <a:fontRef idx="minor">
+            <a:schemeClr val="lt1"/>
+          </a:fontRef>
+        </p:style>
+        <p:txBody>
+          <a:bodyPr rtlCol="0" anchor="ctr"/>
+          <a:lstStyle/>
+          <a:p>
+            <a:pPr algn="ctr"/>
+            <a:endParaRPr lang="en-US"/>
+          </a:p>
+        </p:txBody>
+      </p:sp>
+      <p:sp>
+        <p:nvSpPr>
+          <p:cNvPr id="131" name="OTLSHAPE_SL2A_2e6cd13b9934453f9569c04e5e65a6eb_BackgroundRectangle" hidden="1"/>
+          <p:cNvSpPr/>
+          <p:nvPr>
+            <p:custDataLst>
+              <p:tags r:id="rId7"/>
+            </p:custDataLst>
+          </p:nvPr>
+        </p:nvSpPr>
+        <p:spPr>
+          <a:xfrm>
+            <a:off x="2095500" y="6497955"/>
+            <a:ext cx="9093200" cy="279400"/>
+          </a:xfrm>
+          <a:prstGeom prst="rect">
+            <a:avLst/>
+          </a:prstGeom>
+          <a:solidFill>
+            <a:schemeClr val="accent3">
+              <a:alpha val="20000"/>
+            </a:schemeClr>
+          </a:solidFill>
+          <a:ln w="12700" cap="flat" cmpd="sng" algn="ctr">
+            <a:noFill/>
+            <a:prstDash val="solid"/>
+            <a:miter lim="800000"/>
+          </a:ln>
+          <a:effectLst/>
+          <a:extLst>
+            <a:ext uri="{91240B29-F687-4F45-9708-019B960494DF}">
+              <a14:hiddenLine xmlns:a14="http://schemas.microsoft.com/office/drawing/2010/main" w="12700" cap="flat" cmpd="sng" algn="ctr">
+                <a:solidFill>
+                  <a:schemeClr val="accent1">
+                    <a:shade val="50000"/>
+                  </a:schemeClr>
+                </a:solidFill>
+                <a:prstDash val="solid"/>
+                <a:miter lim="800000"/>
+              </a14:hiddenLine>
+            </a:ext>
+          </a:extLst>
+        </p:spPr>
+        <p:style>
+          <a:lnRef idx="2">
+            <a:schemeClr val="accent1">
+              <a:shade val="50000"/>
+            </a:schemeClr>
+          </a:lnRef>
+          <a:fillRef idx="1">
+            <a:schemeClr val="accent1"/>
+          </a:fillRef>
+          <a:effectRef idx="0">
+            <a:schemeClr val="accent1"/>
+          </a:effectRef>
+          <a:fontRef idx="minor">
+            <a:schemeClr val="lt1"/>
+          </a:fontRef>
+        </p:style>
+        <p:txBody>
+          <a:bodyPr rtlCol="0" anchor="ctr"/>
+          <a:lstStyle/>
+          <a:p>
+            <a:pPr algn="ctr"/>
+            <a:endParaRPr lang="en-US"/>
+          </a:p>
+        </p:txBody>
+      </p:sp>
+      <p:sp>
+        <p:nvSpPr>
+          <p:cNvPr id="2" name="OTLSHAPE_TB_00000000000000000000000000000000_LeftEndCaps" hidden="1"/>
+          <p:cNvSpPr txBox="1"/>
+          <p:nvPr>
+            <p:custDataLst>
+              <p:tags r:id="rId8"/>
+            </p:custDataLst>
+          </p:nvPr>
+        </p:nvSpPr>
+        <p:spPr>
+          <a:xfrm>
+            <a:off x="-221339" y="12700"/>
+            <a:ext cx="469900" cy="276999"/>
+          </a:xfrm>
+          <a:prstGeom prst="rect">
+            <a:avLst/>
+          </a:prstGeom>
+          <a:noFill/>
+        </p:spPr>
+        <p:txBody>
+          <a:bodyPr vert="horz" wrap="none" lIns="0" tIns="0" rIns="0" bIns="0" rtlCol="0" anchor="ctr" anchorCtr="0">
+            <a:spAutoFit/>
+          </a:bodyPr>
+          <a:lstStyle/>
+          <a:p>
+            <a:pPr algn="ctr"/>
+            <a:r>
+              <a:rPr lang="en-US" b="1" smtClean="0">
+                <a:solidFill>
+                  <a:schemeClr val="accent2"/>
+                </a:solidFill>
+                <a:latin typeface="Calibri" panose="020F0502020204030204" pitchFamily="34" charset="0"/>
+              </a:rPr>
+              <a:t>2022</a:t>
+            </a:r>
+            <a:endParaRPr lang="en-US" b="1">
+              <a:solidFill>
+                <a:schemeClr val="accent2"/>
+              </a:solidFill>
+              <a:latin typeface="Calibri" panose="020F0502020204030204" pitchFamily="34" charset="0"/>
+            </a:endParaRPr>
+          </a:p>
+        </p:txBody>
+      </p:sp>
+      <p:sp>
+        <p:nvSpPr>
+          <p:cNvPr id="3" name="OTLSHAPE_TB_00000000000000000000000000000000_RightEndCaps"/>
+          <p:cNvSpPr txBox="1"/>
+          <p:nvPr>
+            <p:custDataLst>
+              <p:tags r:id="rId9"/>
+            </p:custDataLst>
+          </p:nvPr>
+        </p:nvSpPr>
+        <p:spPr>
+          <a:xfrm>
+            <a:off x="11474534" y="3098969"/>
+            <a:ext cx="449610" cy="279061"/>
+          </a:xfrm>
+          <a:prstGeom prst="rect">
+            <a:avLst/>
+          </a:prstGeom>
+          <a:noFill/>
+        </p:spPr>
+        <p:txBody>
+          <a:bodyPr vert="horz" wrap="none" lIns="0" tIns="0" rIns="0" bIns="0" rtlCol="0" anchor="ctr" anchorCtr="0">
+            <a:spAutoFit/>
+          </a:bodyPr>
+          <a:lstStyle/>
+          <a:p>
+            <a:pPr algn="ctr"/>
+            <a:r>
+              <a:rPr lang="en-US" b="1" spc="-44" smtClean="0">
+                <a:solidFill>
+                  <a:schemeClr val="accent2"/>
+                </a:solidFill>
+                <a:latin typeface="Calibri" panose="020F0502020204030204" pitchFamily="34" charset="0"/>
+              </a:rPr>
+              <a:t>2022</a:t>
+            </a:r>
+            <a:endParaRPr lang="en-US" b="1" spc="-44">
+              <a:solidFill>
+                <a:schemeClr val="accent2"/>
+              </a:solidFill>
+              <a:latin typeface="Calibri" panose="020F0502020204030204" pitchFamily="34" charset="0"/>
+            </a:endParaRPr>
+          </a:p>
+        </p:txBody>
+      </p:sp>
+      <p:sp>
+        <p:nvSpPr>
+          <p:cNvPr id="4" name="OTLSHAPE_TB_00000000000000000000000000000000_ScaleContainer"/>
+          <p:cNvSpPr/>
+          <p:nvPr>
+            <p:custDataLst>
+              <p:tags r:id="rId10"/>
+            </p:custDataLst>
+          </p:nvPr>
+        </p:nvSpPr>
+        <p:spPr>
+          <a:xfrm>
+            <a:off x="2057400" y="3048000"/>
+            <a:ext cx="9296400" cy="381000"/>
+          </a:xfrm>
+          <a:prstGeom prst="roundRect">
+            <a:avLst>
+              <a:gd name="adj" fmla="val 100000"/>
+            </a:avLst>
+          </a:prstGeom>
+          <a:gradFill flip="none" rotWithShape="1">
+            <a:gsLst>
+              <a:gs pos="0">
+                <a:srgbClr val="44546A"/>
+              </a:gs>
+              <a:gs pos="100000">
+                <a:srgbClr val="44546A"/>
+              </a:gs>
+            </a:gsLst>
+            <a:lin ang="5400000" scaled="1"/>
+            <a:tileRect/>
+          </a:gradFill>
+          <a:ln w="12700" cap="flat" cmpd="sng" algn="ctr">
+            <a:noFill/>
+            <a:prstDash val="solid"/>
+            <a:miter lim="800000"/>
+          </a:ln>
+          <a:effectLst>
+            <a:reflection blurRad="6350" stA="50000" endA="300" endPos="55500" dist="50800" dir="5400000" sy="-100000" algn="bl" rotWithShape="0"/>
+          </a:effectLst>
+          <a:scene3d>
+            <a:camera prst="orthographicFront"/>
+            <a:lightRig rig="threePt" dir="t">
+              <a:rot lat="0" lon="0" rev="8700000"/>
+            </a:lightRig>
+          </a:scene3d>
+          <a:sp3d>
+            <a:bevelT w="165100" h="19050"/>
+          </a:sp3d>
+          <a:extLst>
+            <a:ext uri="{91240B29-F687-4F45-9708-019B960494DF}">
+              <a14:hiddenLine xmlns:a14="http://schemas.microsoft.com/office/drawing/2010/main" w="12700" cap="flat" cmpd="sng" algn="ctr">
+                <a:solidFill>
+                  <a:schemeClr val="accent1">
+                    <a:shade val="50000"/>
+                  </a:schemeClr>
+                </a:solidFill>
+                <a:prstDash val="solid"/>
+                <a:miter lim="800000"/>
+              </a14:hiddenLine>
+            </a:ext>
+          </a:extLst>
+        </p:spPr>
+        <p:style>
+          <a:lnRef idx="2">
+            <a:schemeClr val="accent1">
+              <a:shade val="50000"/>
+            </a:schemeClr>
+          </a:lnRef>
+          <a:fillRef idx="1">
+            <a:schemeClr val="accent1"/>
+          </a:fillRef>
+          <a:effectRef idx="0">
+            <a:schemeClr val="accent1"/>
+          </a:effectRef>
+          <a:fontRef idx="minor">
+            <a:schemeClr val="lt1"/>
+          </a:fontRef>
+        </p:style>
+        <p:txBody>
+          <a:bodyPr rtlCol="0" anchor="ctr"/>
+          <a:lstStyle/>
+          <a:p>
+            <a:pPr algn="ctr"/>
+            <a:endParaRPr lang="en-US"/>
+          </a:p>
+        </p:txBody>
+      </p:sp>
+      <p:sp>
+        <p:nvSpPr>
+          <p:cNvPr id="12" name="OTLSHAPE_SL_93b0b08ffe0b4763bf4df938f38df717_HeaderRectangle"/>
+          <p:cNvSpPr/>
+          <p:nvPr>
+            <p:custDataLst>
+              <p:tags r:id="rId11"/>
+            </p:custDataLst>
+          </p:nvPr>
+        </p:nvSpPr>
+        <p:spPr>
+          <a:xfrm>
+            <a:off x="63500" y="3945255"/>
+            <a:ext cx="2032000" cy="1612900"/>
+          </a:xfrm>
+          <a:prstGeom prst="rect">
+            <a:avLst/>
+          </a:prstGeom>
+          <a:solidFill>
+            <a:schemeClr val="accent1"/>
+          </a:solidFill>
+          <a:ln w="12700" cap="flat" cmpd="sng" algn="ctr">
+            <a:noFill/>
+            <a:prstDash val="solid"/>
+            <a:miter lim="800000"/>
+          </a:ln>
+          <a:effectLst/>
+          <a:extLst>
+            <a:ext uri="{91240B29-F687-4F45-9708-019B960494DF}">
+              <a14:hiddenLine xmlns:a14="http://schemas.microsoft.com/office/drawing/2010/main" w="12700" cap="flat" cmpd="sng" algn="ctr">
+                <a:solidFill>
+                  <a:schemeClr val="accent1">
+                    <a:shade val="50000"/>
+                  </a:schemeClr>
+                </a:solidFill>
+                <a:prstDash val="solid"/>
+                <a:miter lim="800000"/>
+              </a14:hiddenLine>
+            </a:ext>
+          </a:extLst>
+        </p:spPr>
+        <p:style>
+          <a:lnRef idx="2">
+            <a:schemeClr val="accent1">
+              <a:shade val="50000"/>
+            </a:schemeClr>
+          </a:lnRef>
+          <a:fillRef idx="1">
+            <a:schemeClr val="accent1"/>
+          </a:fillRef>
+          <a:effectRef idx="0">
+            <a:schemeClr val="accent1"/>
+          </a:effectRef>
+          <a:fontRef idx="minor">
+            <a:schemeClr val="lt1"/>
+          </a:fontRef>
+        </p:style>
+        <p:txBody>
+          <a:bodyPr rtlCol="0" anchor="ctr"/>
+          <a:lstStyle/>
+          <a:p>
+            <a:pPr algn="ctr"/>
+            <a:endParaRPr lang="en-US"/>
+          </a:p>
+        </p:txBody>
+      </p:sp>
+      <p:sp>
+        <p:nvSpPr>
+          <p:cNvPr id="15" name="OTLSHAPE_SL_e20ac6c3ca0f45ddbb495b18aba18a3d_HeaderRectangle"/>
+          <p:cNvSpPr/>
+          <p:nvPr>
+            <p:custDataLst>
+              <p:tags r:id="rId12"/>
+            </p:custDataLst>
+          </p:nvPr>
+        </p:nvSpPr>
+        <p:spPr>
+          <a:xfrm>
+            <a:off x="63500" y="5621655"/>
+            <a:ext cx="2032000" cy="812800"/>
+          </a:xfrm>
+          <a:prstGeom prst="rect">
+            <a:avLst/>
+          </a:prstGeom>
+          <a:solidFill>
+            <a:schemeClr val="accent2"/>
+          </a:solidFill>
+          <a:ln w="12700" cap="flat" cmpd="sng" algn="ctr">
+            <a:noFill/>
+            <a:prstDash val="solid"/>
+            <a:miter lim="800000"/>
+          </a:ln>
+          <a:effectLst/>
+          <a:extLst>
+            <a:ext uri="{91240B29-F687-4F45-9708-019B960494DF}">
+              <a14:hiddenLine xmlns:a14="http://schemas.microsoft.com/office/drawing/2010/main" w="12700" cap="flat" cmpd="sng" algn="ctr">
+                <a:solidFill>
+                  <a:schemeClr val="accent1">
+                    <a:shade val="50000"/>
+                  </a:schemeClr>
+                </a:solidFill>
+                <a:prstDash val="solid"/>
+                <a:miter lim="800000"/>
+              </a14:hiddenLine>
+            </a:ext>
+          </a:extLst>
+        </p:spPr>
+        <p:style>
+          <a:lnRef idx="2">
+            <a:schemeClr val="accent1">
+              <a:shade val="50000"/>
+            </a:schemeClr>
+          </a:lnRef>
+          <a:fillRef idx="1">
+            <a:schemeClr val="accent1"/>
+          </a:fillRef>
+          <a:effectRef idx="0">
+            <a:schemeClr val="accent1"/>
+          </a:effectRef>
+          <a:fontRef idx="minor">
+            <a:schemeClr val="lt1"/>
+          </a:fontRef>
+        </p:style>
+        <p:txBody>
+          <a:bodyPr rtlCol="0" anchor="ctr"/>
+          <a:lstStyle/>
+          <a:p>
+            <a:pPr algn="ctr"/>
+            <a:endParaRPr lang="en-US"/>
+          </a:p>
+        </p:txBody>
+      </p:sp>
+      <p:sp>
+        <p:nvSpPr>
+          <p:cNvPr id="27" name="OTLSHAPE_SL2A_a95ae0a881c047dcac3931e6f7201637_HeaderRectangle" hidden="1"/>
+          <p:cNvSpPr/>
+          <p:nvPr>
+            <p:custDataLst>
+              <p:tags r:id="rId13"/>
+            </p:custDataLst>
+          </p:nvPr>
+        </p:nvSpPr>
+        <p:spPr>
+          <a:xfrm>
+            <a:off x="2095500" y="3945255"/>
+            <a:ext cx="0" cy="0"/>
+          </a:xfrm>
+          <a:prstGeom prst="rect">
+            <a:avLst/>
+          </a:prstGeom>
+          <a:solidFill>
+            <a:schemeClr val="accent1">
+              <a:alpha val="24706"/>
+            </a:schemeClr>
+          </a:solidFill>
+          <a:ln w="12700" cap="flat" cmpd="sng" algn="ctr">
+            <a:noFill/>
+            <a:prstDash val="solid"/>
+            <a:miter lim="800000"/>
+          </a:ln>
+          <a:effectLst/>
+          <a:extLst>
+            <a:ext uri="{91240B29-F687-4F45-9708-019B960494DF}">
+              <a14:hiddenLine xmlns:a14="http://schemas.microsoft.com/office/drawing/2010/main" w="12700" cap="flat" cmpd="sng" algn="ctr">
+                <a:solidFill>
+                  <a:schemeClr val="accent1">
+                    <a:shade val="50000"/>
+                  </a:schemeClr>
+                </a:solidFill>
+                <a:prstDash val="solid"/>
+                <a:miter lim="800000"/>
+              </a14:hiddenLine>
+            </a:ext>
+          </a:extLst>
+        </p:spPr>
+        <p:style>
+          <a:lnRef idx="2">
+            <a:schemeClr val="accent1">
+              <a:shade val="50000"/>
+            </a:schemeClr>
+          </a:lnRef>
+          <a:fillRef idx="1">
+            <a:schemeClr val="accent1"/>
+          </a:fillRef>
+          <a:effectRef idx="0">
+            <a:schemeClr val="accent1"/>
+          </a:effectRef>
+          <a:fontRef idx="minor">
+            <a:schemeClr val="lt1"/>
+          </a:fontRef>
+        </p:style>
+        <p:txBody>
+          <a:bodyPr rtlCol="0" anchor="ctr"/>
+          <a:lstStyle/>
+          <a:p>
+            <a:pPr algn="ctr"/>
+            <a:endParaRPr lang="en-US"/>
+          </a:p>
+        </p:txBody>
+      </p:sp>
+      <p:sp>
+        <p:nvSpPr>
+          <p:cNvPr id="54" name="OTLSHAPE_SL2A_dc076fcdd1be4207b5f93815b38cd91e_HeaderRectangle" hidden="1"/>
+          <p:cNvSpPr/>
+          <p:nvPr>
+            <p:custDataLst>
+              <p:tags r:id="rId14"/>
+            </p:custDataLst>
+          </p:nvPr>
+        </p:nvSpPr>
+        <p:spPr>
+          <a:xfrm>
+            <a:off x="2095500" y="5621655"/>
+            <a:ext cx="0" cy="0"/>
+          </a:xfrm>
+          <a:prstGeom prst="rect">
+            <a:avLst/>
+          </a:prstGeom>
+          <a:solidFill>
+            <a:schemeClr val="accent2">
+              <a:alpha val="24706"/>
+            </a:schemeClr>
+          </a:solidFill>
+          <a:ln w="12700" cap="flat" cmpd="sng" algn="ctr">
+            <a:noFill/>
+            <a:prstDash val="solid"/>
+            <a:miter lim="800000"/>
+          </a:ln>
+          <a:effectLst/>
+          <a:extLst>
+            <a:ext uri="{91240B29-F687-4F45-9708-019B960494DF}">
+              <a14:hiddenLine xmlns:a14="http://schemas.microsoft.com/office/drawing/2010/main" w="12700" cap="flat" cmpd="sng" algn="ctr">
+                <a:solidFill>
+                  <a:schemeClr val="accent1">
+                    <a:shade val="50000"/>
+                  </a:schemeClr>
+                </a:solidFill>
+                <a:prstDash val="solid"/>
+                <a:miter lim="800000"/>
+              </a14:hiddenLine>
+            </a:ext>
+          </a:extLst>
+        </p:spPr>
+        <p:style>
+          <a:lnRef idx="2">
+            <a:schemeClr val="accent1">
+              <a:shade val="50000"/>
+            </a:schemeClr>
+          </a:lnRef>
+          <a:fillRef idx="1">
+            <a:schemeClr val="accent1"/>
+          </a:fillRef>
+          <a:effectRef idx="0">
+            <a:schemeClr val="accent1"/>
+          </a:effectRef>
+          <a:fontRef idx="minor">
+            <a:schemeClr val="lt1"/>
+          </a:fontRef>
+        </p:style>
+        <p:txBody>
+          <a:bodyPr rtlCol="0" anchor="ctr"/>
+          <a:lstStyle/>
+          <a:p>
+            <a:pPr algn="ctr"/>
+            <a:endParaRPr lang="en-US"/>
+          </a:p>
+        </p:txBody>
+      </p:sp>
+      <p:sp>
+        <p:nvSpPr>
+          <p:cNvPr id="115" name="OTLSHAPE_SL_f83814d4db5f4446a686bf6806a7fec9_HeaderRectangle"/>
+          <p:cNvSpPr/>
+          <p:nvPr>
+            <p:custDataLst>
+              <p:tags r:id="rId15"/>
+            </p:custDataLst>
+          </p:nvPr>
+        </p:nvSpPr>
+        <p:spPr>
+          <a:xfrm>
+            <a:off x="63500" y="6497955"/>
+            <a:ext cx="2032000" cy="279400"/>
+          </a:xfrm>
+          <a:prstGeom prst="rect">
+            <a:avLst/>
+          </a:prstGeom>
+          <a:solidFill>
+            <a:schemeClr val="accent3"/>
+          </a:solidFill>
+          <a:ln w="12700" cap="flat" cmpd="sng" algn="ctr">
+            <a:noFill/>
+            <a:prstDash val="solid"/>
+            <a:miter lim="800000"/>
+          </a:ln>
+          <a:effectLst/>
+          <a:extLst>
+            <a:ext uri="{91240B29-F687-4F45-9708-019B960494DF}">
+              <a14:hiddenLine xmlns:a14="http://schemas.microsoft.com/office/drawing/2010/main" w="12700" cap="flat" cmpd="sng" algn="ctr">
+                <a:solidFill>
+                  <a:schemeClr val="accent1">
+                    <a:shade val="50000"/>
+                  </a:schemeClr>
+                </a:solidFill>
+                <a:prstDash val="solid"/>
+                <a:miter lim="800000"/>
+              </a14:hiddenLine>
+            </a:ext>
+          </a:extLst>
+        </p:spPr>
+        <p:style>
+          <a:lnRef idx="2">
+            <a:schemeClr val="accent1">
+              <a:shade val="50000"/>
+            </a:schemeClr>
+          </a:lnRef>
+          <a:fillRef idx="1">
+            <a:schemeClr val="accent1"/>
+          </a:fillRef>
+          <a:effectRef idx="0">
+            <a:schemeClr val="accent1"/>
+          </a:effectRef>
+          <a:fontRef idx="minor">
+            <a:schemeClr val="lt1"/>
+          </a:fontRef>
+        </p:style>
+        <p:txBody>
+          <a:bodyPr rtlCol="0" anchor="ctr"/>
+          <a:lstStyle/>
+          <a:p>
+            <a:pPr algn="ctr"/>
+            <a:endParaRPr lang="en-US"/>
+          </a:p>
+        </p:txBody>
+      </p:sp>
+      <p:sp>
+        <p:nvSpPr>
+          <p:cNvPr id="129" name="OTLSHAPE_SL2A_2e6cd13b9934453f9569c04e5e65a6eb_HeaderRectangle" hidden="1"/>
+          <p:cNvSpPr/>
+          <p:nvPr>
+            <p:custDataLst>
+              <p:tags r:id="rId16"/>
+            </p:custDataLst>
+          </p:nvPr>
+        </p:nvSpPr>
+        <p:spPr>
+          <a:xfrm>
+            <a:off x="2095500" y="6497955"/>
+            <a:ext cx="0" cy="0"/>
+          </a:xfrm>
+          <a:prstGeom prst="rect">
+            <a:avLst/>
+          </a:prstGeom>
+          <a:solidFill>
+            <a:schemeClr val="accent3">
+              <a:alpha val="24706"/>
+            </a:schemeClr>
+          </a:solidFill>
+          <a:ln w="12700" cap="flat" cmpd="sng" algn="ctr">
+            <a:noFill/>
+            <a:prstDash val="solid"/>
+            <a:miter lim="800000"/>
+          </a:ln>
+          <a:effectLst/>
+          <a:extLst>
+            <a:ext uri="{91240B29-F687-4F45-9708-019B960494DF}">
+              <a14:hiddenLine xmlns:a14="http://schemas.microsoft.com/office/drawing/2010/main" w="12700" cap="flat" cmpd="sng" algn="ctr">
+                <a:solidFill>
+                  <a:schemeClr val="accent1">
+                    <a:shade val="50000"/>
+                  </a:schemeClr>
+                </a:solidFill>
+                <a:prstDash val="solid"/>
+                <a:miter lim="800000"/>
+              </a14:hiddenLine>
+            </a:ext>
+          </a:extLst>
+        </p:spPr>
+        <p:style>
+          <a:lnRef idx="2">
+            <a:schemeClr val="accent1">
+              <a:shade val="50000"/>
+            </a:schemeClr>
+          </a:lnRef>
+          <a:fillRef idx="1">
+            <a:schemeClr val="accent1"/>
+          </a:fillRef>
+          <a:effectRef idx="0">
+            <a:schemeClr val="accent1"/>
+          </a:effectRef>
+          <a:fontRef idx="minor">
+            <a:schemeClr val="lt1"/>
+          </a:fontRef>
+        </p:style>
+        <p:txBody>
+          <a:bodyPr rtlCol="0" anchor="ctr"/>
+          <a:lstStyle/>
+          <a:p>
+            <a:pPr algn="ctr"/>
+            <a:endParaRPr lang="en-US"/>
+          </a:p>
+        </p:txBody>
+      </p:sp>
+      <p:cxnSp>
+        <p:nvCxnSpPr>
+          <p:cNvPr id="26" name="OTLSHAPE_G_00000000000000000000000000000000_ShapeBelow0"/>
+          <p:cNvCxnSpPr/>
+          <p:nvPr>
+            <p:custDataLst>
+              <p:tags r:id="rId17"/>
+            </p:custDataLst>
+          </p:nvPr>
+        </p:nvCxnSpPr>
+        <p:spPr>
+          <a:xfrm>
+            <a:off x="3342480" y="3429000"/>
+            <a:ext cx="0" cy="3348355"/>
+          </a:xfrm>
+          <a:prstGeom prst="line">
+            <a:avLst/>
+          </a:prstGeom>
+          <a:ln w="9525" cap="flat" cmpd="sng" algn="ctr">
+            <a:solidFill>
+              <a:schemeClr val="accent1">
+                <a:alpha val="14902"/>
+              </a:schemeClr>
+            </a:solidFill>
+            <a:prstDash val="solid"/>
+            <a:miter lim="800000"/>
+            <a:headEnd type="none" w="med" len="med"/>
+            <a:tailEnd type="none" w="med" len="med"/>
+          </a:ln>
+        </p:spPr>
+        <p:style>
+          <a:lnRef idx="1">
+            <a:schemeClr val="accent1"/>
+          </a:lnRef>
+          <a:fillRef idx="0">
+            <a:schemeClr val="accent1"/>
+          </a:fillRef>
+          <a:effectRef idx="0">
+            <a:schemeClr val="accent1"/>
+          </a:effectRef>
+          <a:fontRef idx="minor">
+            <a:schemeClr val="tx1"/>
+          </a:fontRef>
+        </p:style>
+      </p:cxnSp>
+      <p:cxnSp>
+        <p:nvCxnSpPr>
+          <p:cNvPr id="117" name="OTLSHAPE_G_00000000000000000000000000000000_ShapeBelow1"/>
+          <p:cNvCxnSpPr/>
+          <p:nvPr>
+            <p:custDataLst>
+              <p:tags r:id="rId18"/>
+            </p:custDataLst>
+          </p:nvPr>
+        </p:nvCxnSpPr>
+        <p:spPr>
+          <a:xfrm>
+            <a:off x="4462474" y="3429001"/>
+            <a:ext cx="0" cy="3348355"/>
+          </a:xfrm>
+          <a:prstGeom prst="line">
+            <a:avLst/>
+          </a:prstGeom>
+          <a:ln w="9525" cap="flat" cmpd="sng" algn="ctr">
+            <a:solidFill>
+              <a:schemeClr val="accent1">
+                <a:alpha val="14902"/>
+              </a:schemeClr>
+            </a:solidFill>
+            <a:prstDash val="solid"/>
+            <a:miter lim="800000"/>
+            <a:headEnd type="none" w="med" len="med"/>
+            <a:tailEnd type="none" w="med" len="med"/>
+          </a:ln>
+        </p:spPr>
+        <p:style>
+          <a:lnRef idx="1">
+            <a:schemeClr val="accent1"/>
+          </a:lnRef>
+          <a:fillRef idx="0">
+            <a:schemeClr val="accent1"/>
+          </a:fillRef>
+          <a:effectRef idx="0">
+            <a:schemeClr val="accent1"/>
+          </a:effectRef>
+          <a:fontRef idx="minor">
+            <a:schemeClr val="tx1"/>
+          </a:fontRef>
+        </p:style>
+      </p:cxnSp>
+      <p:cxnSp>
+        <p:nvCxnSpPr>
+          <p:cNvPr id="100" name="OTLSHAPE_G_00000000000000000000000000000000_ShapeBelow2"/>
+          <p:cNvCxnSpPr/>
+          <p:nvPr>
+            <p:custDataLst>
+              <p:tags r:id="rId19"/>
+            </p:custDataLst>
+          </p:nvPr>
+        </p:nvCxnSpPr>
+        <p:spPr>
+          <a:xfrm>
+            <a:off x="5582467" y="3429000"/>
+            <a:ext cx="0" cy="3348355"/>
+          </a:xfrm>
+          <a:prstGeom prst="line">
+            <a:avLst/>
+          </a:prstGeom>
+          <a:ln w="9525" cap="flat" cmpd="sng" algn="ctr">
+            <a:solidFill>
+              <a:schemeClr val="accent1">
+                <a:alpha val="14902"/>
+              </a:schemeClr>
+            </a:solidFill>
+            <a:prstDash val="solid"/>
+            <a:miter lim="800000"/>
+            <a:headEnd type="none" w="med" len="med"/>
+            <a:tailEnd type="none" w="med" len="med"/>
+          </a:ln>
+        </p:spPr>
+        <p:style>
+          <a:lnRef idx="1">
+            <a:schemeClr val="accent1"/>
+          </a:lnRef>
+          <a:fillRef idx="0">
+            <a:schemeClr val="accent1"/>
+          </a:fillRef>
+          <a:effectRef idx="0">
+            <a:schemeClr val="accent1"/>
+          </a:effectRef>
+          <a:fontRef idx="minor">
+            <a:schemeClr val="tx1"/>
+          </a:fontRef>
+        </p:style>
+      </p:cxnSp>
+      <p:cxnSp>
+        <p:nvCxnSpPr>
+          <p:cNvPr id="101" name="OTLSHAPE_G_00000000000000000000000000000000_ShapeBelow3"/>
+          <p:cNvCxnSpPr/>
+          <p:nvPr>
+            <p:custDataLst>
+              <p:tags r:id="rId20"/>
+            </p:custDataLst>
+          </p:nvPr>
+        </p:nvCxnSpPr>
+        <p:spPr>
+          <a:xfrm>
+            <a:off x="6702461" y="3429000"/>
+            <a:ext cx="0" cy="3348355"/>
+          </a:xfrm>
+          <a:prstGeom prst="line">
+            <a:avLst/>
+          </a:prstGeom>
+          <a:ln w="9525" cap="flat" cmpd="sng" algn="ctr">
+            <a:solidFill>
+              <a:schemeClr val="accent1">
+                <a:alpha val="14902"/>
+              </a:schemeClr>
+            </a:solidFill>
+            <a:prstDash val="solid"/>
+            <a:miter lim="800000"/>
+            <a:headEnd type="none" w="med" len="med"/>
+            <a:tailEnd type="none" w="med" len="med"/>
+          </a:ln>
+        </p:spPr>
+        <p:style>
+          <a:lnRef idx="1">
+            <a:schemeClr val="accent1"/>
+          </a:lnRef>
+          <a:fillRef idx="0">
+            <a:schemeClr val="accent1"/>
+          </a:fillRef>
+          <a:effectRef idx="0">
+            <a:schemeClr val="accent1"/>
+          </a:effectRef>
+          <a:fontRef idx="minor">
+            <a:schemeClr val="tx1"/>
+          </a:fontRef>
+        </p:style>
+      </p:cxnSp>
+      <p:cxnSp>
+        <p:nvCxnSpPr>
+          <p:cNvPr id="102" name="OTLSHAPE_G_00000000000000000000000000000000_ShapeBelow4"/>
+          <p:cNvCxnSpPr/>
+          <p:nvPr>
+            <p:custDataLst>
+              <p:tags r:id="rId21"/>
+            </p:custDataLst>
+          </p:nvPr>
+        </p:nvCxnSpPr>
+        <p:spPr>
+          <a:xfrm>
+            <a:off x="7822454" y="3429000"/>
+            <a:ext cx="0" cy="3348355"/>
+          </a:xfrm>
+          <a:prstGeom prst="line">
+            <a:avLst/>
+          </a:prstGeom>
+          <a:ln w="9525" cap="flat" cmpd="sng" algn="ctr">
+            <a:solidFill>
+              <a:schemeClr val="accent1">
+                <a:alpha val="14902"/>
+              </a:schemeClr>
+            </a:solidFill>
+            <a:prstDash val="solid"/>
+            <a:miter lim="800000"/>
+            <a:headEnd type="none" w="med" len="med"/>
+            <a:tailEnd type="none" w="med" len="med"/>
+          </a:ln>
+        </p:spPr>
+        <p:style>
+          <a:lnRef idx="1">
+            <a:schemeClr val="accent1"/>
+          </a:lnRef>
+          <a:fillRef idx="0">
+            <a:schemeClr val="accent1"/>
+          </a:fillRef>
+          <a:effectRef idx="0">
+            <a:schemeClr val="accent1"/>
+          </a:effectRef>
+          <a:fontRef idx="minor">
+            <a:schemeClr val="tx1"/>
+          </a:fontRef>
+        </p:style>
+      </p:cxnSp>
+      <p:cxnSp>
+        <p:nvCxnSpPr>
+          <p:cNvPr id="103" name="OTLSHAPE_G_00000000000000000000000000000000_ShapeBelow5"/>
+          <p:cNvCxnSpPr/>
+          <p:nvPr>
+            <p:custDataLst>
+              <p:tags r:id="rId22"/>
+            </p:custDataLst>
+          </p:nvPr>
+        </p:nvCxnSpPr>
+        <p:spPr>
+          <a:xfrm>
+            <a:off x="8942448" y="3429000"/>
+            <a:ext cx="0" cy="3348355"/>
+          </a:xfrm>
+          <a:prstGeom prst="line">
+            <a:avLst/>
+          </a:prstGeom>
+          <a:ln w="9525" cap="flat" cmpd="sng" algn="ctr">
+            <a:solidFill>
+              <a:schemeClr val="accent1">
+                <a:alpha val="14902"/>
+              </a:schemeClr>
+            </a:solidFill>
+            <a:prstDash val="solid"/>
+            <a:miter lim="800000"/>
+            <a:headEnd type="none" w="med" len="med"/>
+            <a:tailEnd type="none" w="med" len="med"/>
+          </a:ln>
+        </p:spPr>
+        <p:style>
+          <a:lnRef idx="1">
+            <a:schemeClr val="accent1"/>
+          </a:lnRef>
+          <a:fillRef idx="0">
+            <a:schemeClr val="accent1"/>
+          </a:fillRef>
+          <a:effectRef idx="0">
+            <a:schemeClr val="accent1"/>
+          </a:effectRef>
+          <a:fontRef idx="minor">
+            <a:schemeClr val="tx1"/>
+          </a:fontRef>
+        </p:style>
+      </p:cxnSp>
+      <p:cxnSp>
+        <p:nvCxnSpPr>
+          <p:cNvPr id="104" name="OTLSHAPE_G_00000000000000000000000000000000_ShapeBelow6"/>
+          <p:cNvCxnSpPr/>
+          <p:nvPr>
+            <p:custDataLst>
+              <p:tags r:id="rId23"/>
+            </p:custDataLst>
+          </p:nvPr>
+        </p:nvCxnSpPr>
+        <p:spPr>
+          <a:xfrm>
+            <a:off x="10062441" y="3429000"/>
+            <a:ext cx="0" cy="3348355"/>
+          </a:xfrm>
+          <a:prstGeom prst="line">
+            <a:avLst/>
+          </a:prstGeom>
+          <a:ln w="9525" cap="flat" cmpd="sng" algn="ctr">
+            <a:solidFill>
+              <a:schemeClr val="accent1">
+                <a:alpha val="14902"/>
+              </a:schemeClr>
+            </a:solidFill>
+            <a:prstDash val="solid"/>
+            <a:miter lim="800000"/>
+            <a:headEnd type="none" w="med" len="med"/>
+            <a:tailEnd type="none" w="med" len="med"/>
+          </a:ln>
+        </p:spPr>
+        <p:style>
+          <a:lnRef idx="1">
+            <a:schemeClr val="accent1"/>
+          </a:lnRef>
+          <a:fillRef idx="0">
+            <a:schemeClr val="accent1"/>
+          </a:fillRef>
+          <a:effectRef idx="0">
+            <a:schemeClr val="accent1"/>
+          </a:effectRef>
+          <a:fontRef idx="minor">
+            <a:schemeClr val="tx1"/>
+          </a:fontRef>
+        </p:style>
+      </p:cxnSp>
+      <p:sp>
+        <p:nvSpPr>
+          <p:cNvPr id="31" name="OTLSHAPE_SLT_a3640656bbf14b75ac95d895e821c6a7_Shape"/>
+          <p:cNvSpPr/>
+          <p:nvPr>
+            <p:custDataLst>
+              <p:tags r:id="rId24"/>
+            </p:custDataLst>
+          </p:nvPr>
+        </p:nvSpPr>
+        <p:spPr>
+          <a:xfrm>
+            <a:off x="2222500" y="3983355"/>
+            <a:ext cx="4483100" cy="203200"/>
+          </a:xfrm>
+          <a:prstGeom prst="roundRect">
+            <a:avLst>
+              <a:gd name="adj" fmla="val 100000"/>
+            </a:avLst>
+          </a:prstGeom>
+          <a:solidFill>
+            <a:schemeClr val="accent1"/>
+          </a:solidFill>
+          <a:ln w="12700" cap="flat" cmpd="sng" algn="ctr">
+            <a:noFill/>
+            <a:prstDash val="solid"/>
+            <a:miter lim="800000"/>
+          </a:ln>
+          <a:effectLst/>
+          <a:scene3d>
+            <a:camera prst="orthographicFront"/>
+            <a:lightRig rig="balanced" dir="t">
+              <a:rot lat="0" lon="0" rev="8700000"/>
+            </a:lightRig>
+          </a:scene3d>
+          <a:sp3d>
+            <a:bevelT w="165100" h="12700"/>
+          </a:sp3d>
+          <a:extLst>
+            <a:ext uri="{91240B29-F687-4F45-9708-019B960494DF}">
+              <a14:hiddenLine xmlns:a14="http://schemas.microsoft.com/office/drawing/2010/main" w="12700" cap="flat" cmpd="sng" algn="ctr">
+                <a:solidFill>
+                  <a:schemeClr val="accent1">
+                    <a:shade val="50000"/>
+                  </a:schemeClr>
+                </a:solidFill>
+                <a:prstDash val="solid"/>
+                <a:miter lim="800000"/>
+              </a14:hiddenLine>
+            </a:ext>
+          </a:extLst>
+        </p:spPr>
+        <p:style>
+          <a:lnRef idx="2">
+            <a:schemeClr val="accent1">
+              <a:shade val="50000"/>
+            </a:schemeClr>
+          </a:lnRef>
+          <a:fillRef idx="1">
+            <a:schemeClr val="accent1"/>
+          </a:fillRef>
+          <a:effectRef idx="0">
+            <a:schemeClr val="accent1"/>
+          </a:effectRef>
+          <a:fontRef idx="minor">
+            <a:schemeClr val="lt1"/>
+          </a:fontRef>
+        </p:style>
+        <p:txBody>
+          <a:bodyPr rtlCol="0" anchor="ctr"/>
+          <a:lstStyle/>
+          <a:p>
+            <a:pPr algn="ctr"/>
+            <a:endParaRPr lang="en-US"/>
+          </a:p>
+        </p:txBody>
+      </p:sp>
+      <p:sp>
+        <p:nvSpPr>
+          <p:cNvPr id="39" name="OTLSHAPE_SLT_a320c2eda63b4916beda858fff0be575_Shape"/>
+          <p:cNvSpPr/>
+          <p:nvPr>
+            <p:custDataLst>
+              <p:tags r:id="rId25"/>
+            </p:custDataLst>
+          </p:nvPr>
+        </p:nvSpPr>
+        <p:spPr>
+          <a:xfrm>
+            <a:off x="2222500" y="4250055"/>
+            <a:ext cx="4483100" cy="203200"/>
+          </a:xfrm>
+          <a:prstGeom prst="roundRect">
+            <a:avLst>
+              <a:gd name="adj" fmla="val 100000"/>
+            </a:avLst>
+          </a:prstGeom>
+          <a:solidFill>
+            <a:schemeClr val="accent1"/>
+          </a:solidFill>
+          <a:ln w="12700" cap="flat" cmpd="sng" algn="ctr">
+            <a:noFill/>
+            <a:prstDash val="solid"/>
+            <a:miter lim="800000"/>
+          </a:ln>
+          <a:effectLst/>
+          <a:scene3d>
+            <a:camera prst="orthographicFront"/>
+            <a:lightRig rig="balanced" dir="t">
+              <a:rot lat="0" lon="0" rev="8700000"/>
+            </a:lightRig>
+          </a:scene3d>
+          <a:sp3d>
+            <a:bevelT w="165100" h="12700"/>
+          </a:sp3d>
+          <a:extLst>
+            <a:ext uri="{91240B29-F687-4F45-9708-019B960494DF}">
+              <a14:hiddenLine xmlns:a14="http://schemas.microsoft.com/office/drawing/2010/main" w="12700" cap="flat" cmpd="sng" algn="ctr">
+                <a:solidFill>
+                  <a:schemeClr val="accent1">
+                    <a:shade val="50000"/>
+                  </a:schemeClr>
+                </a:solidFill>
+                <a:prstDash val="solid"/>
+                <a:miter lim="800000"/>
+              </a14:hiddenLine>
+            </a:ext>
+          </a:extLst>
+        </p:spPr>
+        <p:style>
+          <a:lnRef idx="2">
+            <a:schemeClr val="accent1">
+              <a:shade val="50000"/>
+            </a:schemeClr>
+          </a:lnRef>
+          <a:fillRef idx="1">
+            <a:schemeClr val="accent1"/>
+          </a:fillRef>
+          <a:effectRef idx="0">
+            <a:schemeClr val="accent1"/>
+          </a:effectRef>
+          <a:fontRef idx="minor">
+            <a:schemeClr val="lt1"/>
+          </a:fontRef>
+        </p:style>
+        <p:txBody>
+          <a:bodyPr rtlCol="0" anchor="ctr"/>
+          <a:lstStyle/>
+          <a:p>
+            <a:pPr algn="ctr"/>
+            <a:endParaRPr lang="en-US"/>
+          </a:p>
+        </p:txBody>
+      </p:sp>
+      <p:sp>
+        <p:nvSpPr>
+          <p:cNvPr id="47" name="OTLSHAPE_SLT_a0cba5ed30614cde9ef07b06edf8780c_Shape"/>
+          <p:cNvSpPr/>
+          <p:nvPr>
+            <p:custDataLst>
+              <p:tags r:id="rId26"/>
+            </p:custDataLst>
+          </p:nvPr>
+        </p:nvSpPr>
+        <p:spPr>
+          <a:xfrm>
+            <a:off x="2222500" y="4516755"/>
+            <a:ext cx="4483100" cy="203200"/>
+          </a:xfrm>
+          <a:prstGeom prst="roundRect">
+            <a:avLst>
+              <a:gd name="adj" fmla="val 100000"/>
+            </a:avLst>
+          </a:prstGeom>
+          <a:solidFill>
+            <a:schemeClr val="accent1"/>
+          </a:solidFill>
+          <a:ln w="12700" cap="flat" cmpd="sng" algn="ctr">
+            <a:noFill/>
+            <a:prstDash val="solid"/>
+            <a:miter lim="800000"/>
+          </a:ln>
+          <a:effectLst/>
+          <a:scene3d>
+            <a:camera prst="orthographicFront"/>
+            <a:lightRig rig="balanced" dir="t">
+              <a:rot lat="0" lon="0" rev="8700000"/>
+            </a:lightRig>
+          </a:scene3d>
+          <a:sp3d>
+            <a:bevelT w="165100" h="12700"/>
+          </a:sp3d>
+          <a:extLst>
+            <a:ext uri="{91240B29-F687-4F45-9708-019B960494DF}">
+              <a14:hiddenLine xmlns:a14="http://schemas.microsoft.com/office/drawing/2010/main" w="12700" cap="flat" cmpd="sng" algn="ctr">
+                <a:solidFill>
+                  <a:schemeClr val="accent1">
+                    <a:shade val="50000"/>
+                  </a:schemeClr>
+                </a:solidFill>
+                <a:prstDash val="solid"/>
+                <a:miter lim="800000"/>
+              </a14:hiddenLine>
+            </a:ext>
+          </a:extLst>
+        </p:spPr>
+        <p:style>
+          <a:lnRef idx="2">
+            <a:schemeClr val="accent1">
+              <a:shade val="50000"/>
+            </a:schemeClr>
+          </a:lnRef>
+          <a:fillRef idx="1">
+            <a:schemeClr val="accent1"/>
+          </a:fillRef>
+          <a:effectRef idx="0">
+            <a:schemeClr val="accent1"/>
+          </a:effectRef>
+          <a:fontRef idx="minor">
+            <a:schemeClr val="lt1"/>
+          </a:fontRef>
+        </p:style>
+        <p:txBody>
+          <a:bodyPr rtlCol="0" anchor="ctr"/>
+          <a:lstStyle/>
+          <a:p>
+            <a:pPr algn="ctr"/>
+            <a:endParaRPr lang="en-US"/>
+          </a:p>
+        </p:txBody>
+      </p:sp>
+      <p:sp>
+        <p:nvSpPr>
+          <p:cNvPr id="58" name="OTLSHAPE_SLT_68116b8458bc4f0baf8d62c8eac08aac_Shape"/>
+          <p:cNvSpPr/>
+          <p:nvPr>
+            <p:custDataLst>
+              <p:tags r:id="rId27"/>
+            </p:custDataLst>
+          </p:nvPr>
+        </p:nvSpPr>
+        <p:spPr>
+          <a:xfrm>
+            <a:off x="2222500" y="4783455"/>
+            <a:ext cx="4483100" cy="203200"/>
+          </a:xfrm>
+          <a:prstGeom prst="roundRect">
+            <a:avLst>
+              <a:gd name="adj" fmla="val 100000"/>
+            </a:avLst>
+          </a:prstGeom>
+          <a:solidFill>
+            <a:schemeClr val="accent1"/>
+          </a:solidFill>
+          <a:ln w="12700" cap="flat" cmpd="sng" algn="ctr">
+            <a:noFill/>
+            <a:prstDash val="solid"/>
+            <a:miter lim="800000"/>
+          </a:ln>
+          <a:effectLst/>
+          <a:scene3d>
+            <a:camera prst="orthographicFront"/>
+            <a:lightRig rig="balanced" dir="t">
+              <a:rot lat="0" lon="0" rev="8700000"/>
+            </a:lightRig>
+          </a:scene3d>
+          <a:sp3d>
+            <a:bevelT w="165100" h="12700"/>
+          </a:sp3d>
+          <a:extLst>
+            <a:ext uri="{91240B29-F687-4F45-9708-019B960494DF}">
+              <a14:hiddenLine xmlns:a14="http://schemas.microsoft.com/office/drawing/2010/main" w="12700" cap="flat" cmpd="sng" algn="ctr">
+                <a:solidFill>
+                  <a:schemeClr val="accent1">
+                    <a:shade val="50000"/>
+                  </a:schemeClr>
+                </a:solidFill>
+                <a:prstDash val="solid"/>
+                <a:miter lim="800000"/>
+              </a14:hiddenLine>
+            </a:ext>
+          </a:extLst>
+        </p:spPr>
+        <p:style>
+          <a:lnRef idx="2">
+            <a:schemeClr val="accent1">
+              <a:shade val="50000"/>
+            </a:schemeClr>
+          </a:lnRef>
+          <a:fillRef idx="1">
+            <a:schemeClr val="accent1"/>
+          </a:fillRef>
+          <a:effectRef idx="0">
+            <a:schemeClr val="accent1"/>
+          </a:effectRef>
+          <a:fontRef idx="minor">
+            <a:schemeClr val="lt1"/>
+          </a:fontRef>
+        </p:style>
+        <p:txBody>
+          <a:bodyPr rtlCol="0" anchor="ctr"/>
+          <a:lstStyle/>
+          <a:p>
+            <a:pPr algn="ctr"/>
+            <a:endParaRPr lang="en-US"/>
+          </a:p>
+        </p:txBody>
+      </p:sp>
+      <p:sp>
+        <p:nvSpPr>
+          <p:cNvPr id="66" name="OTLSHAPE_SLT_6cba920a834746399d875799a6ede7c6_Shape"/>
+          <p:cNvSpPr/>
+          <p:nvPr>
+            <p:custDataLst>
+              <p:tags r:id="rId28"/>
+            </p:custDataLst>
+          </p:nvPr>
+        </p:nvSpPr>
+        <p:spPr>
+          <a:xfrm>
+            <a:off x="2222500" y="5050155"/>
+            <a:ext cx="4483100" cy="203200"/>
+          </a:xfrm>
+          <a:prstGeom prst="roundRect">
+            <a:avLst>
+              <a:gd name="adj" fmla="val 100000"/>
+            </a:avLst>
+          </a:prstGeom>
+          <a:solidFill>
+            <a:schemeClr val="accent1"/>
+          </a:solidFill>
+          <a:ln w="12700" cap="flat" cmpd="sng" algn="ctr">
+            <a:noFill/>
+            <a:prstDash val="solid"/>
+            <a:miter lim="800000"/>
+          </a:ln>
+          <a:effectLst/>
+          <a:scene3d>
+            <a:camera prst="orthographicFront"/>
+            <a:lightRig rig="balanced" dir="t">
+              <a:rot lat="0" lon="0" rev="8700000"/>
+            </a:lightRig>
+          </a:scene3d>
+          <a:sp3d>
+            <a:bevelT w="165100" h="12700"/>
+          </a:sp3d>
+          <a:extLst>
+            <a:ext uri="{91240B29-F687-4F45-9708-019B960494DF}">
+              <a14:hiddenLine xmlns:a14="http://schemas.microsoft.com/office/drawing/2010/main" w="12700" cap="flat" cmpd="sng" algn="ctr">
+                <a:solidFill>
+                  <a:schemeClr val="accent1">
+                    <a:shade val="50000"/>
+                  </a:schemeClr>
+                </a:solidFill>
+                <a:prstDash val="solid"/>
+                <a:miter lim="800000"/>
+              </a14:hiddenLine>
+            </a:ext>
+          </a:extLst>
+        </p:spPr>
+        <p:style>
+          <a:lnRef idx="2">
+            <a:schemeClr val="accent1">
+              <a:shade val="50000"/>
+            </a:schemeClr>
+          </a:lnRef>
+          <a:fillRef idx="1">
+            <a:schemeClr val="accent1"/>
+          </a:fillRef>
+          <a:effectRef idx="0">
+            <a:schemeClr val="accent1"/>
+          </a:effectRef>
+          <a:fontRef idx="minor">
+            <a:schemeClr val="lt1"/>
+          </a:fontRef>
+        </p:style>
+        <p:txBody>
+          <a:bodyPr rtlCol="0" anchor="ctr"/>
+          <a:lstStyle/>
+          <a:p>
+            <a:pPr algn="ctr"/>
+            <a:endParaRPr lang="en-US"/>
+          </a:p>
+        </p:txBody>
+      </p:sp>
+      <p:sp>
+        <p:nvSpPr>
+          <p:cNvPr id="76" name="OTLSHAPE_SLT_860161ded4254208977211eb0a47f35c_Shape"/>
+          <p:cNvSpPr/>
+          <p:nvPr>
+            <p:custDataLst>
+              <p:tags r:id="rId29"/>
+            </p:custDataLst>
+          </p:nvPr>
+        </p:nvSpPr>
+        <p:spPr>
+          <a:xfrm>
+            <a:off x="2222500" y="5316855"/>
+            <a:ext cx="4483100" cy="203200"/>
+          </a:xfrm>
+          <a:prstGeom prst="roundRect">
+            <a:avLst>
+              <a:gd name="adj" fmla="val 100000"/>
+            </a:avLst>
+          </a:prstGeom>
+          <a:solidFill>
+            <a:schemeClr val="accent1"/>
+          </a:solidFill>
+          <a:ln w="12700" cap="flat" cmpd="sng" algn="ctr">
+            <a:noFill/>
+            <a:prstDash val="solid"/>
+            <a:miter lim="800000"/>
+          </a:ln>
+          <a:effectLst/>
+          <a:scene3d>
+            <a:camera prst="orthographicFront"/>
+            <a:lightRig rig="balanced" dir="t">
+              <a:rot lat="0" lon="0" rev="8700000"/>
+            </a:lightRig>
+          </a:scene3d>
+          <a:sp3d>
+            <a:bevelT w="165100" h="12700"/>
+          </a:sp3d>
+          <a:extLst>
+            <a:ext uri="{91240B29-F687-4F45-9708-019B960494DF}">
+              <a14:hiddenLine xmlns:a14="http://schemas.microsoft.com/office/drawing/2010/main" w="12700" cap="flat" cmpd="sng" algn="ctr">
+                <a:solidFill>
+                  <a:schemeClr val="accent1">
+                    <a:shade val="50000"/>
+                  </a:schemeClr>
+                </a:solidFill>
+                <a:prstDash val="solid"/>
+                <a:miter lim="800000"/>
+              </a14:hiddenLine>
+            </a:ext>
+          </a:extLst>
+        </p:spPr>
+        <p:style>
+          <a:lnRef idx="2">
+            <a:schemeClr val="accent1">
+              <a:shade val="50000"/>
+            </a:schemeClr>
+          </a:lnRef>
+          <a:fillRef idx="1">
+            <a:schemeClr val="accent1"/>
+          </a:fillRef>
+          <a:effectRef idx="0">
+            <a:schemeClr val="accent1"/>
+          </a:effectRef>
+          <a:fontRef idx="minor">
+            <a:schemeClr val="lt1"/>
+          </a:fontRef>
+        </p:style>
+        <p:txBody>
+          <a:bodyPr rtlCol="0" anchor="ctr"/>
+          <a:lstStyle/>
+          <a:p>
+            <a:pPr algn="ctr"/>
+            <a:endParaRPr lang="en-US"/>
+          </a:p>
+        </p:txBody>
+      </p:sp>
+      <p:sp>
+        <p:nvSpPr>
+          <p:cNvPr id="85" name="OTLSHAPE_SLT_b90f8fa637ab4fd7a588b41288848725_Shape"/>
+          <p:cNvSpPr/>
+          <p:nvPr>
+            <p:custDataLst>
+              <p:tags r:id="rId30"/>
+            </p:custDataLst>
+          </p:nvPr>
+        </p:nvSpPr>
+        <p:spPr>
+          <a:xfrm>
+            <a:off x="5582480" y="5659755"/>
+            <a:ext cx="4483100" cy="203200"/>
+          </a:xfrm>
+          <a:prstGeom prst="roundRect">
+            <a:avLst>
+              <a:gd name="adj" fmla="val 100000"/>
+            </a:avLst>
+          </a:prstGeom>
+          <a:solidFill>
+            <a:schemeClr val="accent1"/>
+          </a:solidFill>
+          <a:ln w="12700" cap="flat" cmpd="sng" algn="ctr">
+            <a:noFill/>
+            <a:prstDash val="solid"/>
+            <a:miter lim="800000"/>
+          </a:ln>
+          <a:effectLst/>
+          <a:scene3d>
+            <a:camera prst="orthographicFront"/>
+            <a:lightRig rig="balanced" dir="t">
+              <a:rot lat="0" lon="0" rev="8700000"/>
+            </a:lightRig>
+          </a:scene3d>
+          <a:sp3d>
+            <a:bevelT w="165100" h="12700"/>
+          </a:sp3d>
+          <a:extLst>
+            <a:ext uri="{91240B29-F687-4F45-9708-019B960494DF}">
+              <a14:hiddenLine xmlns:a14="http://schemas.microsoft.com/office/drawing/2010/main" w="12700" cap="flat" cmpd="sng" algn="ctr">
+                <a:solidFill>
+                  <a:schemeClr val="accent1">
+                    <a:shade val="50000"/>
+                  </a:schemeClr>
+                </a:solidFill>
+                <a:prstDash val="solid"/>
+                <a:miter lim="800000"/>
+              </a14:hiddenLine>
+            </a:ext>
+          </a:extLst>
+        </p:spPr>
+        <p:style>
+          <a:lnRef idx="2">
+            <a:schemeClr val="accent1">
+              <a:shade val="50000"/>
+            </a:schemeClr>
+          </a:lnRef>
+          <a:fillRef idx="1">
+            <a:schemeClr val="accent1"/>
+          </a:fillRef>
+          <a:effectRef idx="0">
+            <a:schemeClr val="accent1"/>
+          </a:effectRef>
+          <a:fontRef idx="minor">
+            <a:schemeClr val="lt1"/>
+          </a:fontRef>
+        </p:style>
+        <p:txBody>
+          <a:bodyPr rtlCol="0" anchor="ctr"/>
+          <a:lstStyle/>
+          <a:p>
+            <a:pPr algn="ctr"/>
+            <a:endParaRPr lang="en-US"/>
+          </a:p>
+        </p:txBody>
+      </p:sp>
+      <p:sp>
+        <p:nvSpPr>
+          <p:cNvPr id="98" name="OTLSHAPE_SLT_5b7472024b544d7db6e4d70de2a2ee52_Shape"/>
+          <p:cNvSpPr/>
+          <p:nvPr>
+            <p:custDataLst>
+              <p:tags r:id="rId31"/>
+            </p:custDataLst>
+          </p:nvPr>
+        </p:nvSpPr>
+        <p:spPr>
+          <a:xfrm>
+            <a:off x="6702474" y="5926455"/>
+            <a:ext cx="2247900" cy="203200"/>
+          </a:xfrm>
+          <a:prstGeom prst="roundRect">
+            <a:avLst>
+              <a:gd name="adj" fmla="val 100000"/>
+            </a:avLst>
+          </a:prstGeom>
+          <a:solidFill>
+            <a:schemeClr val="accent1"/>
+          </a:solidFill>
+          <a:ln w="12700" cap="flat" cmpd="sng" algn="ctr">
+            <a:noFill/>
+            <a:prstDash val="solid"/>
+            <a:miter lim="800000"/>
+          </a:ln>
+          <a:effectLst/>
+          <a:scene3d>
+            <a:camera prst="orthographicFront"/>
+            <a:lightRig rig="balanced" dir="t">
+              <a:rot lat="0" lon="0" rev="8700000"/>
+            </a:lightRig>
+          </a:scene3d>
+          <a:sp3d>
+            <a:bevelT w="165100" h="12700"/>
+          </a:sp3d>
+          <a:extLst>
+            <a:ext uri="{91240B29-F687-4F45-9708-019B960494DF}">
+              <a14:hiddenLine xmlns:a14="http://schemas.microsoft.com/office/drawing/2010/main" w="12700" cap="flat" cmpd="sng" algn="ctr">
+                <a:solidFill>
+                  <a:schemeClr val="accent1">
+                    <a:shade val="50000"/>
+                  </a:schemeClr>
+                </a:solidFill>
+                <a:prstDash val="solid"/>
+                <a:miter lim="800000"/>
+              </a14:hiddenLine>
+            </a:ext>
+          </a:extLst>
+        </p:spPr>
+        <p:style>
+          <a:lnRef idx="2">
+            <a:schemeClr val="accent1">
+              <a:shade val="50000"/>
+            </a:schemeClr>
+          </a:lnRef>
+          <a:fillRef idx="1">
+            <a:schemeClr val="accent1"/>
+          </a:fillRef>
+          <a:effectRef idx="0">
+            <a:schemeClr val="accent1"/>
+          </a:effectRef>
+          <a:fontRef idx="minor">
+            <a:schemeClr val="lt1"/>
+          </a:fontRef>
+        </p:style>
+        <p:txBody>
+          <a:bodyPr rtlCol="0" anchor="ctr"/>
+          <a:lstStyle/>
+          <a:p>
+            <a:pPr algn="ctr"/>
+            <a:endParaRPr lang="en-US"/>
+          </a:p>
+        </p:txBody>
+      </p:sp>
+      <p:sp>
+        <p:nvSpPr>
+          <p:cNvPr id="125" name="OTLSHAPE_SLT_1a51abf13eca4ab091d186e291c2da06_Shape"/>
+          <p:cNvSpPr/>
+          <p:nvPr>
+            <p:custDataLst>
+              <p:tags r:id="rId32"/>
+            </p:custDataLst>
+          </p:nvPr>
+        </p:nvSpPr>
+        <p:spPr>
+          <a:xfrm>
+            <a:off x="2222500" y="6193155"/>
+            <a:ext cx="5600700" cy="203200"/>
+          </a:xfrm>
+          <a:prstGeom prst="roundRect">
+            <a:avLst>
+              <a:gd name="adj" fmla="val 100000"/>
+            </a:avLst>
+          </a:prstGeom>
+          <a:solidFill>
+            <a:schemeClr val="accent1"/>
+          </a:solidFill>
+          <a:ln w="12700" cap="flat" cmpd="sng" algn="ctr">
+            <a:noFill/>
+            <a:prstDash val="solid"/>
+            <a:miter lim="800000"/>
+          </a:ln>
+          <a:effectLst/>
+          <a:scene3d>
+            <a:camera prst="orthographicFront"/>
+            <a:lightRig rig="balanced" dir="t">
+              <a:rot lat="0" lon="0" rev="8700000"/>
+            </a:lightRig>
+          </a:scene3d>
+          <a:sp3d>
+            <a:bevelT w="165100" h="12700"/>
+          </a:sp3d>
+          <a:extLst>
+            <a:ext uri="{91240B29-F687-4F45-9708-019B960494DF}">
+              <a14:hiddenLine xmlns:a14="http://schemas.microsoft.com/office/drawing/2010/main" w="12700" cap="flat" cmpd="sng" algn="ctr">
+                <a:solidFill>
+                  <a:schemeClr val="accent1">
+                    <a:shade val="50000"/>
+                  </a:schemeClr>
+                </a:solidFill>
+                <a:prstDash val="solid"/>
+                <a:miter lim="800000"/>
+              </a14:hiddenLine>
+            </a:ext>
+          </a:extLst>
+        </p:spPr>
+        <p:style>
+          <a:lnRef idx="2">
+            <a:schemeClr val="accent1">
+              <a:shade val="50000"/>
+            </a:schemeClr>
+          </a:lnRef>
+          <a:fillRef idx="1">
+            <a:schemeClr val="accent1"/>
+          </a:fillRef>
+          <a:effectRef idx="0">
+            <a:schemeClr val="accent1"/>
+          </a:effectRef>
+          <a:fontRef idx="minor">
+            <a:schemeClr val="lt1"/>
+          </a:fontRef>
+        </p:style>
+        <p:txBody>
+          <a:bodyPr rtlCol="0" anchor="ctr"/>
+          <a:lstStyle/>
+          <a:p>
+            <a:pPr algn="ctr"/>
+            <a:endParaRPr lang="en-US"/>
+          </a:p>
+        </p:txBody>
+      </p:sp>
+      <p:sp>
+        <p:nvSpPr>
+          <p:cNvPr id="136" name="OTLSHAPE_SLT_5698bae135ab41cc85ca575d417f1676_Shape"/>
+          <p:cNvSpPr/>
+          <p:nvPr>
+            <p:custDataLst>
+              <p:tags r:id="rId33"/>
+            </p:custDataLst>
+          </p:nvPr>
+        </p:nvSpPr>
+        <p:spPr>
+          <a:xfrm>
+            <a:off x="10062454" y="6536055"/>
+            <a:ext cx="1130300" cy="203200"/>
+          </a:xfrm>
+          <a:prstGeom prst="roundRect">
+            <a:avLst>
+              <a:gd name="adj" fmla="val 100000"/>
+            </a:avLst>
+          </a:prstGeom>
+          <a:solidFill>
+            <a:schemeClr val="accent1"/>
+          </a:solidFill>
+          <a:ln w="12700" cap="flat" cmpd="sng" algn="ctr">
+            <a:noFill/>
+            <a:prstDash val="solid"/>
+            <a:miter lim="800000"/>
+          </a:ln>
+          <a:effectLst/>
+          <a:scene3d>
+            <a:camera prst="orthographicFront"/>
+            <a:lightRig rig="balanced" dir="t">
+              <a:rot lat="0" lon="0" rev="8700000"/>
+            </a:lightRig>
+          </a:scene3d>
+          <a:sp3d>
+            <a:bevelT w="165100" h="12700"/>
+          </a:sp3d>
+          <a:extLst>
+            <a:ext uri="{91240B29-F687-4F45-9708-019B960494DF}">
+              <a14:hiddenLine xmlns:a14="http://schemas.microsoft.com/office/drawing/2010/main" w="12700" cap="flat" cmpd="sng" algn="ctr">
+                <a:solidFill>
+                  <a:schemeClr val="accent1">
+                    <a:shade val="50000"/>
+                  </a:schemeClr>
+                </a:solidFill>
+                <a:prstDash val="solid"/>
+                <a:miter lim="800000"/>
+              </a14:hiddenLine>
+            </a:ext>
+          </a:extLst>
+        </p:spPr>
+        <p:style>
+          <a:lnRef idx="2">
+            <a:schemeClr val="accent1">
+              <a:shade val="50000"/>
+            </a:schemeClr>
+          </a:lnRef>
+          <a:fillRef idx="1">
+            <a:schemeClr val="accent1"/>
+          </a:fillRef>
+          <a:effectRef idx="0">
+            <a:schemeClr val="accent1"/>
+          </a:effectRef>
+          <a:fontRef idx="minor">
+            <a:schemeClr val="lt1"/>
+          </a:fontRef>
+        </p:style>
+        <p:txBody>
+          <a:bodyPr rtlCol="0" anchor="ctr"/>
+          <a:lstStyle/>
+          <a:p>
+            <a:pPr algn="ctr"/>
+            <a:endParaRPr lang="en-US"/>
+          </a:p>
+        </p:txBody>
+      </p:sp>
+      <p:sp>
+        <p:nvSpPr>
+          <p:cNvPr id="5" name="OTLSHAPE_TB_00000000000000000000000000000000_ElapsedTime"/>
+          <p:cNvSpPr/>
+          <p:nvPr>
+            <p:custDataLst>
+              <p:tags r:id="rId34"/>
+            </p:custDataLst>
+          </p:nvPr>
+        </p:nvSpPr>
+        <p:spPr>
+          <a:xfrm>
+            <a:off x="2057400" y="3048000"/>
+            <a:ext cx="4254500" cy="381000"/>
+          </a:xfrm>
+          <a:prstGeom prst="roundRect">
+            <a:avLst>
+              <a:gd name="adj" fmla="val 10000000"/>
+            </a:avLst>
+          </a:prstGeom>
+          <a:solidFill>
+            <a:srgbClr val="FF0000">
+              <a:alpha val="30196"/>
+            </a:srgbClr>
+          </a:solidFill>
+          <a:ln w="12700" cap="flat" cmpd="sng" algn="ctr">
+            <a:noFill/>
+            <a:prstDash val="solid"/>
+            <a:miter lim="800000"/>
+          </a:ln>
+          <a:effectLst/>
+          <a:scene3d>
+            <a:camera prst="orthographicFront"/>
+            <a:lightRig rig="threePt" dir="t"/>
+          </a:scene3d>
+          <a:sp3d>
+            <a:bevelT w="12700" h="139700"/>
+          </a:sp3d>
+          <a:extLst>
+            <a:ext uri="{91240B29-F687-4F45-9708-019B960494DF}">
+              <a14:hiddenLine xmlns:a14="http://schemas.microsoft.com/office/drawing/2010/main" w="12700" cap="flat" cmpd="sng" algn="ctr">
+                <a:solidFill>
+                  <a:schemeClr val="accent1">
+                    <a:shade val="50000"/>
+                  </a:schemeClr>
+                </a:solidFill>
+                <a:prstDash val="solid"/>
+                <a:miter lim="800000"/>
+              </a14:hiddenLine>
+            </a:ext>
+          </a:extLst>
+        </p:spPr>
+        <p:style>
+          <a:lnRef idx="2">
+            <a:schemeClr val="accent1">
+              <a:shade val="50000"/>
+            </a:schemeClr>
+          </a:lnRef>
+          <a:fillRef idx="1">
+            <a:schemeClr val="accent1"/>
+          </a:fillRef>
+          <a:effectRef idx="0">
+            <a:schemeClr val="accent1"/>
+          </a:effectRef>
+          <a:fontRef idx="minor">
+            <a:schemeClr val="lt1"/>
+          </a:fontRef>
+        </p:style>
+        <p:txBody>
+          <a:bodyPr rtlCol="0" anchor="ctr"/>
+          <a:lstStyle/>
+          <a:p>
+            <a:pPr algn="ctr"/>
+            <a:endParaRPr lang="en-US"/>
+          </a:p>
+        </p:txBody>
+      </p:sp>
+      <p:sp>
+        <p:nvSpPr>
+          <p:cNvPr id="32" name="OTLSHAPE_SLT_a3640656bbf14b75ac95d895e821c6a7_ShapePercentage" hidden="1"/>
+          <p:cNvSpPr/>
+          <p:nvPr>
+            <p:custDataLst>
+              <p:tags r:id="rId35"/>
+            </p:custDataLst>
+          </p:nvPr>
+        </p:nvSpPr>
+        <p:spPr>
+          <a:xfrm>
+            <a:off x="2222500" y="3983355"/>
+            <a:ext cx="0" cy="0"/>
+          </a:xfrm>
+          <a:prstGeom prst="roundRect">
+            <a:avLst>
+              <a:gd name="adj" fmla="val 100000"/>
+            </a:avLst>
+          </a:prstGeom>
+          <a:solidFill>
+            <a:schemeClr val="dk1">
+              <a:alpha val="34902"/>
+            </a:schemeClr>
+          </a:solidFill>
+          <a:ln w="12700" cap="flat" cmpd="sng" algn="ctr">
+            <a:noFill/>
+            <a:prstDash val="solid"/>
+            <a:miter lim="800000"/>
+          </a:ln>
+          <a:effectLst/>
+          <a:extLst>
+            <a:ext uri="{91240B29-F687-4F45-9708-019B960494DF}">
+              <a14:hiddenLine xmlns:a14="http://schemas.microsoft.com/office/drawing/2010/main" w="12700" cap="flat" cmpd="sng" algn="ctr">
+                <a:solidFill>
+                  <a:schemeClr val="accent1">
+                    <a:shade val="50000"/>
+                  </a:schemeClr>
+                </a:solidFill>
+                <a:prstDash val="solid"/>
+                <a:miter lim="800000"/>
+              </a14:hiddenLine>
+            </a:ext>
+          </a:extLst>
+        </p:spPr>
+        <p:style>
+          <a:lnRef idx="2">
+            <a:schemeClr val="accent1">
+              <a:shade val="50000"/>
+            </a:schemeClr>
+          </a:lnRef>
+          <a:fillRef idx="1">
+            <a:schemeClr val="accent1"/>
+          </a:fillRef>
+          <a:effectRef idx="0">
+            <a:schemeClr val="accent1"/>
+          </a:effectRef>
+          <a:fontRef idx="minor">
+            <a:schemeClr val="lt1"/>
+          </a:fontRef>
+        </p:style>
+        <p:txBody>
+          <a:bodyPr rtlCol="0" anchor="ctr"/>
+          <a:lstStyle/>
+          <a:p>
+            <a:pPr algn="ctr"/>
+            <a:endParaRPr lang="en-US"/>
+          </a:p>
+        </p:txBody>
+      </p:sp>
+      <p:sp>
+        <p:nvSpPr>
+          <p:cNvPr id="40" name="OTLSHAPE_SLT_a320c2eda63b4916beda858fff0be575_ShapePercentage" hidden="1"/>
+          <p:cNvSpPr/>
+          <p:nvPr>
+            <p:custDataLst>
+              <p:tags r:id="rId36"/>
+            </p:custDataLst>
+          </p:nvPr>
+        </p:nvSpPr>
+        <p:spPr>
+          <a:xfrm>
+            <a:off x="2222500" y="4250055"/>
+            <a:ext cx="0" cy="0"/>
+          </a:xfrm>
+          <a:prstGeom prst="roundRect">
+            <a:avLst>
+              <a:gd name="adj" fmla="val 100000"/>
+            </a:avLst>
+          </a:prstGeom>
+          <a:solidFill>
+            <a:schemeClr val="dk1">
+              <a:alpha val="34902"/>
+            </a:schemeClr>
+          </a:solidFill>
+          <a:ln w="12700" cap="flat" cmpd="sng" algn="ctr">
+            <a:noFill/>
+            <a:prstDash val="solid"/>
+            <a:miter lim="800000"/>
+          </a:ln>
+          <a:effectLst/>
+          <a:extLst>
+            <a:ext uri="{91240B29-F687-4F45-9708-019B960494DF}">
+              <a14:hiddenLine xmlns:a14="http://schemas.microsoft.com/office/drawing/2010/main" w="12700" cap="flat" cmpd="sng" algn="ctr">
+                <a:solidFill>
+                  <a:schemeClr val="accent1">
+                    <a:shade val="50000"/>
+                  </a:schemeClr>
+                </a:solidFill>
+                <a:prstDash val="solid"/>
+                <a:miter lim="800000"/>
+              </a14:hiddenLine>
+            </a:ext>
+          </a:extLst>
+        </p:spPr>
+        <p:style>
+          <a:lnRef idx="2">
+            <a:schemeClr val="accent1">
+              <a:shade val="50000"/>
+            </a:schemeClr>
+          </a:lnRef>
+          <a:fillRef idx="1">
+            <a:schemeClr val="accent1"/>
+          </a:fillRef>
+          <a:effectRef idx="0">
+            <a:schemeClr val="accent1"/>
+          </a:effectRef>
+          <a:fontRef idx="minor">
+            <a:schemeClr val="lt1"/>
+          </a:fontRef>
+        </p:style>
+        <p:txBody>
+          <a:bodyPr rtlCol="0" anchor="ctr"/>
+          <a:lstStyle/>
+          <a:p>
+            <a:pPr algn="ctr"/>
+            <a:endParaRPr lang="en-US"/>
+          </a:p>
+        </p:txBody>
+      </p:sp>
+      <p:sp>
+        <p:nvSpPr>
+          <p:cNvPr id="48" name="OTLSHAPE_SLT_a0cba5ed30614cde9ef07b06edf8780c_ShapePercentage" hidden="1"/>
+          <p:cNvSpPr/>
+          <p:nvPr>
+            <p:custDataLst>
+              <p:tags r:id="rId37"/>
+            </p:custDataLst>
+          </p:nvPr>
+        </p:nvSpPr>
+        <p:spPr>
+          <a:xfrm>
+            <a:off x="2222500" y="4516755"/>
+            <a:ext cx="0" cy="0"/>
+          </a:xfrm>
+          <a:prstGeom prst="roundRect">
+            <a:avLst>
+              <a:gd name="adj" fmla="val 100000"/>
+            </a:avLst>
+          </a:prstGeom>
+          <a:solidFill>
+            <a:schemeClr val="dk1">
+              <a:alpha val="34902"/>
+            </a:schemeClr>
+          </a:solidFill>
+          <a:ln w="12700" cap="flat" cmpd="sng" algn="ctr">
+            <a:noFill/>
+            <a:prstDash val="solid"/>
+            <a:miter lim="800000"/>
+          </a:ln>
+          <a:effectLst/>
+          <a:extLst>
+            <a:ext uri="{91240B29-F687-4F45-9708-019B960494DF}">
+              <a14:hiddenLine xmlns:a14="http://schemas.microsoft.com/office/drawing/2010/main" w="12700" cap="flat" cmpd="sng" algn="ctr">
+                <a:solidFill>
+                  <a:schemeClr val="accent1">
+                    <a:shade val="50000"/>
+                  </a:schemeClr>
+                </a:solidFill>
+                <a:prstDash val="solid"/>
+                <a:miter lim="800000"/>
+              </a14:hiddenLine>
+            </a:ext>
+          </a:extLst>
+        </p:spPr>
+        <p:style>
+          <a:lnRef idx="2">
+            <a:schemeClr val="accent1">
+              <a:shade val="50000"/>
+            </a:schemeClr>
+          </a:lnRef>
+          <a:fillRef idx="1">
+            <a:schemeClr val="accent1"/>
+          </a:fillRef>
+          <a:effectRef idx="0">
+            <a:schemeClr val="accent1"/>
+          </a:effectRef>
+          <a:fontRef idx="minor">
+            <a:schemeClr val="lt1"/>
+          </a:fontRef>
+        </p:style>
+        <p:txBody>
+          <a:bodyPr rtlCol="0" anchor="ctr"/>
+          <a:lstStyle/>
+          <a:p>
+            <a:pPr algn="ctr"/>
+            <a:endParaRPr lang="en-US"/>
+          </a:p>
+        </p:txBody>
+      </p:sp>
+      <p:sp>
+        <p:nvSpPr>
+          <p:cNvPr id="59" name="OTLSHAPE_SLT_68116b8458bc4f0baf8d62c8eac08aac_ShapePercentage" hidden="1"/>
+          <p:cNvSpPr/>
+          <p:nvPr>
+            <p:custDataLst>
+              <p:tags r:id="rId38"/>
+            </p:custDataLst>
+          </p:nvPr>
+        </p:nvSpPr>
+        <p:spPr>
+          <a:xfrm>
+            <a:off x="2222500" y="4783455"/>
+            <a:ext cx="0" cy="0"/>
+          </a:xfrm>
+          <a:prstGeom prst="roundRect">
+            <a:avLst>
+              <a:gd name="adj" fmla="val 100000"/>
+            </a:avLst>
+          </a:prstGeom>
+          <a:solidFill>
+            <a:schemeClr val="dk1">
+              <a:alpha val="34902"/>
+            </a:schemeClr>
+          </a:solidFill>
+          <a:ln w="12700" cap="flat" cmpd="sng" algn="ctr">
+            <a:noFill/>
+            <a:prstDash val="solid"/>
+            <a:miter lim="800000"/>
+          </a:ln>
+          <a:effectLst/>
+          <a:extLst>
+            <a:ext uri="{91240B29-F687-4F45-9708-019B960494DF}">
+              <a14:hiddenLine xmlns:a14="http://schemas.microsoft.com/office/drawing/2010/main" w="12700" cap="flat" cmpd="sng" algn="ctr">
+                <a:solidFill>
+                  <a:schemeClr val="accent1">
+                    <a:shade val="50000"/>
+                  </a:schemeClr>
+                </a:solidFill>
+                <a:prstDash val="solid"/>
+                <a:miter lim="800000"/>
+              </a14:hiddenLine>
+            </a:ext>
+          </a:extLst>
+        </p:spPr>
+        <p:style>
+          <a:lnRef idx="2">
+            <a:schemeClr val="accent1">
+              <a:shade val="50000"/>
+            </a:schemeClr>
+          </a:lnRef>
+          <a:fillRef idx="1">
+            <a:schemeClr val="accent1"/>
+          </a:fillRef>
+          <a:effectRef idx="0">
+            <a:schemeClr val="accent1"/>
+          </a:effectRef>
+          <a:fontRef idx="minor">
+            <a:schemeClr val="lt1"/>
+          </a:fontRef>
+        </p:style>
+        <p:txBody>
+          <a:bodyPr rtlCol="0" anchor="ctr"/>
+          <a:lstStyle/>
+          <a:p>
+            <a:pPr algn="ctr"/>
+            <a:endParaRPr lang="en-US"/>
+          </a:p>
+        </p:txBody>
+      </p:sp>
+      <p:sp>
+        <p:nvSpPr>
+          <p:cNvPr id="67" name="OTLSHAPE_SLT_6cba920a834746399d875799a6ede7c6_ShapePercentage" hidden="1"/>
+          <p:cNvSpPr/>
+          <p:nvPr>
+            <p:custDataLst>
+              <p:tags r:id="rId39"/>
+            </p:custDataLst>
+          </p:nvPr>
+        </p:nvSpPr>
+        <p:spPr>
+          <a:xfrm>
+            <a:off x="2222500" y="5050155"/>
+            <a:ext cx="0" cy="0"/>
+          </a:xfrm>
+          <a:prstGeom prst="roundRect">
+            <a:avLst>
+              <a:gd name="adj" fmla="val 100000"/>
+            </a:avLst>
+          </a:prstGeom>
+          <a:solidFill>
+            <a:schemeClr val="dk1">
+              <a:alpha val="34902"/>
+            </a:schemeClr>
+          </a:solidFill>
+          <a:ln w="12700" cap="flat" cmpd="sng" algn="ctr">
+            <a:noFill/>
+            <a:prstDash val="solid"/>
+            <a:miter lim="800000"/>
+          </a:ln>
+          <a:effectLst/>
+          <a:extLst>
+            <a:ext uri="{91240B29-F687-4F45-9708-019B960494DF}">
+              <a14:hiddenLine xmlns:a14="http://schemas.microsoft.com/office/drawing/2010/main" w="12700" cap="flat" cmpd="sng" algn="ctr">
+                <a:solidFill>
+                  <a:schemeClr val="accent1">
+                    <a:shade val="50000"/>
+                  </a:schemeClr>
+                </a:solidFill>
+                <a:prstDash val="solid"/>
+                <a:miter lim="800000"/>
+              </a14:hiddenLine>
+            </a:ext>
+          </a:extLst>
+        </p:spPr>
+        <p:style>
+          <a:lnRef idx="2">
+            <a:schemeClr val="accent1">
+              <a:shade val="50000"/>
+            </a:schemeClr>
+          </a:lnRef>
+          <a:fillRef idx="1">
+            <a:schemeClr val="accent1"/>
+          </a:fillRef>
+          <a:effectRef idx="0">
+            <a:schemeClr val="accent1"/>
+          </a:effectRef>
+          <a:fontRef idx="minor">
+            <a:schemeClr val="lt1"/>
+          </a:fontRef>
+        </p:style>
+        <p:txBody>
+          <a:bodyPr rtlCol="0" anchor="ctr"/>
+          <a:lstStyle/>
+          <a:p>
+            <a:pPr algn="ctr"/>
+            <a:endParaRPr lang="en-US"/>
+          </a:p>
+        </p:txBody>
+      </p:sp>
+      <p:sp>
+        <p:nvSpPr>
+          <p:cNvPr id="77" name="OTLSHAPE_SLT_860161ded4254208977211eb0a47f35c_ShapePercentage" hidden="1"/>
+          <p:cNvSpPr/>
+          <p:nvPr>
+            <p:custDataLst>
+              <p:tags r:id="rId40"/>
+            </p:custDataLst>
+          </p:nvPr>
+        </p:nvSpPr>
+        <p:spPr>
+          <a:xfrm>
+            <a:off x="2222500" y="5316855"/>
+            <a:ext cx="0" cy="0"/>
+          </a:xfrm>
+          <a:prstGeom prst="roundRect">
+            <a:avLst>
+              <a:gd name="adj" fmla="val 100000"/>
+            </a:avLst>
+          </a:prstGeom>
+          <a:solidFill>
+            <a:schemeClr val="dk1">
+              <a:alpha val="34902"/>
+            </a:schemeClr>
+          </a:solidFill>
+          <a:ln w="12700" cap="flat" cmpd="sng" algn="ctr">
+            <a:noFill/>
+            <a:prstDash val="solid"/>
+            <a:miter lim="800000"/>
+          </a:ln>
+          <a:effectLst/>
+          <a:extLst>
+            <a:ext uri="{91240B29-F687-4F45-9708-019B960494DF}">
+              <a14:hiddenLine xmlns:a14="http://schemas.microsoft.com/office/drawing/2010/main" w="12700" cap="flat" cmpd="sng" algn="ctr">
+                <a:solidFill>
+                  <a:schemeClr val="accent1">
+                    <a:shade val="50000"/>
+                  </a:schemeClr>
+                </a:solidFill>
+                <a:prstDash val="solid"/>
+                <a:miter lim="800000"/>
+              </a14:hiddenLine>
+            </a:ext>
+          </a:extLst>
+        </p:spPr>
+        <p:style>
+          <a:lnRef idx="2">
+            <a:schemeClr val="accent1">
+              <a:shade val="50000"/>
+            </a:schemeClr>
+          </a:lnRef>
+          <a:fillRef idx="1">
+            <a:schemeClr val="accent1"/>
+          </a:fillRef>
+          <a:effectRef idx="0">
+            <a:schemeClr val="accent1"/>
+          </a:effectRef>
+          <a:fontRef idx="minor">
+            <a:schemeClr val="lt1"/>
+          </a:fontRef>
+        </p:style>
+        <p:txBody>
+          <a:bodyPr rtlCol="0" anchor="ctr"/>
+          <a:lstStyle/>
+          <a:p>
+            <a:pPr algn="ctr"/>
+            <a:endParaRPr lang="en-US"/>
+          </a:p>
+        </p:txBody>
+      </p:sp>
+      <p:sp>
+        <p:nvSpPr>
+          <p:cNvPr id="86" name="OTLSHAPE_SLT_b90f8fa637ab4fd7a588b41288848725_ShapePercentage" hidden="1"/>
+          <p:cNvSpPr/>
+          <p:nvPr>
+            <p:custDataLst>
+              <p:tags r:id="rId41"/>
+            </p:custDataLst>
+          </p:nvPr>
+        </p:nvSpPr>
+        <p:spPr>
+          <a:xfrm>
+            <a:off x="5582480" y="5659755"/>
+            <a:ext cx="0" cy="0"/>
+          </a:xfrm>
+          <a:prstGeom prst="roundRect">
+            <a:avLst>
+              <a:gd name="adj" fmla="val 100000"/>
+            </a:avLst>
+          </a:prstGeom>
+          <a:solidFill>
+            <a:schemeClr val="dk1">
+              <a:alpha val="34902"/>
+            </a:schemeClr>
+          </a:solidFill>
+          <a:ln w="12700" cap="flat" cmpd="sng" algn="ctr">
+            <a:noFill/>
+            <a:prstDash val="solid"/>
+            <a:miter lim="800000"/>
+          </a:ln>
+          <a:effectLst/>
+          <a:extLst>
+            <a:ext uri="{91240B29-F687-4F45-9708-019B960494DF}">
+              <a14:hiddenLine xmlns:a14="http://schemas.microsoft.com/office/drawing/2010/main" w="12700" cap="flat" cmpd="sng" algn="ctr">
+                <a:solidFill>
+                  <a:schemeClr val="accent1">
+                    <a:shade val="50000"/>
+                  </a:schemeClr>
+                </a:solidFill>
+                <a:prstDash val="solid"/>
+                <a:miter lim="800000"/>
+              </a14:hiddenLine>
+            </a:ext>
+          </a:extLst>
+        </p:spPr>
+        <p:style>
+          <a:lnRef idx="2">
+            <a:schemeClr val="accent1">
+              <a:shade val="50000"/>
+            </a:schemeClr>
+          </a:lnRef>
+          <a:fillRef idx="1">
+            <a:schemeClr val="accent1"/>
+          </a:fillRef>
+          <a:effectRef idx="0">
+            <a:schemeClr val="accent1"/>
+          </a:effectRef>
+          <a:fontRef idx="minor">
+            <a:schemeClr val="lt1"/>
+          </a:fontRef>
+        </p:style>
+        <p:txBody>
+          <a:bodyPr rtlCol="0" anchor="ctr"/>
+          <a:lstStyle/>
+          <a:p>
+            <a:pPr algn="ctr"/>
+            <a:endParaRPr lang="en-US"/>
+          </a:p>
+        </p:txBody>
+      </p:sp>
+      <p:sp>
+        <p:nvSpPr>
+          <p:cNvPr id="99" name="OTLSHAPE_SLT_5b7472024b544d7db6e4d70de2a2ee52_ShapePercentage" hidden="1"/>
+          <p:cNvSpPr/>
+          <p:nvPr>
+            <p:custDataLst>
+              <p:tags r:id="rId42"/>
+            </p:custDataLst>
+          </p:nvPr>
+        </p:nvSpPr>
+        <p:spPr>
+          <a:xfrm>
+            <a:off x="6702474" y="5926455"/>
+            <a:ext cx="0" cy="0"/>
+          </a:xfrm>
+          <a:prstGeom prst="roundRect">
+            <a:avLst>
+              <a:gd name="adj" fmla="val 100000"/>
+            </a:avLst>
+          </a:prstGeom>
+          <a:solidFill>
+            <a:schemeClr val="dk1">
+              <a:alpha val="34902"/>
+            </a:schemeClr>
+          </a:solidFill>
+          <a:ln w="12700" cap="flat" cmpd="sng" algn="ctr">
+            <a:noFill/>
+            <a:prstDash val="solid"/>
+            <a:miter lim="800000"/>
+          </a:ln>
+          <a:effectLst/>
+          <a:extLst>
+            <a:ext uri="{91240B29-F687-4F45-9708-019B960494DF}">
+              <a14:hiddenLine xmlns:a14="http://schemas.microsoft.com/office/drawing/2010/main" w="12700" cap="flat" cmpd="sng" algn="ctr">
+                <a:solidFill>
+                  <a:schemeClr val="accent1">
+                    <a:shade val="50000"/>
+                  </a:schemeClr>
+                </a:solidFill>
+                <a:prstDash val="solid"/>
+                <a:miter lim="800000"/>
+              </a14:hiddenLine>
+            </a:ext>
+          </a:extLst>
+        </p:spPr>
+        <p:style>
+          <a:lnRef idx="2">
+            <a:schemeClr val="accent1">
+              <a:shade val="50000"/>
+            </a:schemeClr>
+          </a:lnRef>
+          <a:fillRef idx="1">
+            <a:schemeClr val="accent1"/>
+          </a:fillRef>
+          <a:effectRef idx="0">
+            <a:schemeClr val="accent1"/>
+          </a:effectRef>
+          <a:fontRef idx="minor">
+            <a:schemeClr val="lt1"/>
+          </a:fontRef>
+        </p:style>
+        <p:txBody>
+          <a:bodyPr rtlCol="0" anchor="ctr"/>
+          <a:lstStyle/>
+          <a:p>
+            <a:pPr algn="ctr"/>
+            <a:endParaRPr lang="en-US"/>
+          </a:p>
+        </p:txBody>
+      </p:sp>
+      <p:sp>
+        <p:nvSpPr>
+          <p:cNvPr id="126" name="OTLSHAPE_SLT_1a51abf13eca4ab091d186e291c2da06_ShapePercentage" hidden="1"/>
+          <p:cNvSpPr/>
+          <p:nvPr>
+            <p:custDataLst>
+              <p:tags r:id="rId43"/>
+            </p:custDataLst>
+          </p:nvPr>
+        </p:nvSpPr>
+        <p:spPr>
+          <a:xfrm>
+            <a:off x="2222500" y="6193155"/>
+            <a:ext cx="0" cy="0"/>
+          </a:xfrm>
+          <a:prstGeom prst="roundRect">
+            <a:avLst>
+              <a:gd name="adj" fmla="val 100000"/>
+            </a:avLst>
+          </a:prstGeom>
+          <a:solidFill>
+            <a:schemeClr val="dk1">
+              <a:alpha val="34902"/>
+            </a:schemeClr>
+          </a:solidFill>
+          <a:ln w="12700" cap="flat" cmpd="sng" algn="ctr">
+            <a:noFill/>
+            <a:prstDash val="solid"/>
+            <a:miter lim="800000"/>
+          </a:ln>
+          <a:effectLst/>
+          <a:extLst>
+            <a:ext uri="{91240B29-F687-4F45-9708-019B960494DF}">
+              <a14:hiddenLine xmlns:a14="http://schemas.microsoft.com/office/drawing/2010/main" w="12700" cap="flat" cmpd="sng" algn="ctr">
+                <a:solidFill>
+                  <a:schemeClr val="accent1">
+                    <a:shade val="50000"/>
+                  </a:schemeClr>
+                </a:solidFill>
+                <a:prstDash val="solid"/>
+                <a:miter lim="800000"/>
+              </a14:hiddenLine>
+            </a:ext>
+          </a:extLst>
+        </p:spPr>
+        <p:style>
+          <a:lnRef idx="2">
+            <a:schemeClr val="accent1">
+              <a:shade val="50000"/>
+            </a:schemeClr>
+          </a:lnRef>
+          <a:fillRef idx="1">
+            <a:schemeClr val="accent1"/>
+          </a:fillRef>
+          <a:effectRef idx="0">
+            <a:schemeClr val="accent1"/>
+          </a:effectRef>
+          <a:fontRef idx="minor">
+            <a:schemeClr val="lt1"/>
+          </a:fontRef>
+        </p:style>
+        <p:txBody>
+          <a:bodyPr rtlCol="0" anchor="ctr"/>
+          <a:lstStyle/>
+          <a:p>
+            <a:pPr algn="ctr"/>
+            <a:endParaRPr lang="en-US"/>
+          </a:p>
+        </p:txBody>
+      </p:sp>
+      <p:sp>
+        <p:nvSpPr>
+          <p:cNvPr id="137" name="OTLSHAPE_SLT_5698bae135ab41cc85ca575d417f1676_ShapePercentage" hidden="1"/>
+          <p:cNvSpPr/>
+          <p:nvPr>
+            <p:custDataLst>
+              <p:tags r:id="rId44"/>
+            </p:custDataLst>
+          </p:nvPr>
+        </p:nvSpPr>
+        <p:spPr>
+          <a:xfrm>
+            <a:off x="10062454" y="6536055"/>
+            <a:ext cx="0" cy="0"/>
+          </a:xfrm>
+          <a:prstGeom prst="roundRect">
+            <a:avLst>
+              <a:gd name="adj" fmla="val 100000"/>
+            </a:avLst>
+          </a:prstGeom>
+          <a:solidFill>
+            <a:schemeClr val="dk1">
+              <a:alpha val="34902"/>
+            </a:schemeClr>
+          </a:solidFill>
+          <a:ln w="12700" cap="flat" cmpd="sng" algn="ctr">
+            <a:noFill/>
+            <a:prstDash val="solid"/>
+            <a:miter lim="800000"/>
+          </a:ln>
+          <a:effectLst/>
+          <a:extLst>
+            <a:ext uri="{91240B29-F687-4F45-9708-019B960494DF}">
+              <a14:hiddenLine xmlns:a14="http://schemas.microsoft.com/office/drawing/2010/main" w="12700" cap="flat" cmpd="sng" algn="ctr">
+                <a:solidFill>
+                  <a:schemeClr val="accent1">
+                    <a:shade val="50000"/>
+                  </a:schemeClr>
+                </a:solidFill>
+                <a:prstDash val="solid"/>
+                <a:miter lim="800000"/>
+              </a14:hiddenLine>
+            </a:ext>
+          </a:extLst>
+        </p:spPr>
+        <p:style>
+          <a:lnRef idx="2">
+            <a:schemeClr val="accent1">
+              <a:shade val="50000"/>
+            </a:schemeClr>
+          </a:lnRef>
+          <a:fillRef idx="1">
+            <a:schemeClr val="accent1"/>
+          </a:fillRef>
+          <a:effectRef idx="0">
+            <a:schemeClr val="accent1"/>
+          </a:effectRef>
+          <a:fontRef idx="minor">
+            <a:schemeClr val="lt1"/>
+          </a:fontRef>
+        </p:style>
+        <p:txBody>
+          <a:bodyPr rtlCol="0" anchor="ctr"/>
+          <a:lstStyle/>
+          <a:p>
+            <a:pPr algn="ctr"/>
+            <a:endParaRPr lang="en-US"/>
+          </a:p>
+        </p:txBody>
+      </p:sp>
+      <p:sp>
+        <p:nvSpPr>
+          <p:cNvPr id="13" name="OTLSHAPE_SL_93b0b08ffe0b4763bf4df938f38df717_Header"/>
+          <p:cNvSpPr txBox="1"/>
+          <p:nvPr>
+            <p:custDataLst>
+              <p:tags r:id="rId45"/>
+            </p:custDataLst>
+          </p:nvPr>
+        </p:nvSpPr>
+        <p:spPr>
+          <a:xfrm>
+            <a:off x="63500" y="4565650"/>
+            <a:ext cx="2032000" cy="372110"/>
+          </a:xfrm>
+          <a:prstGeom prst="rect">
+            <a:avLst/>
+          </a:prstGeom>
+          <a:noFill/>
+        </p:spPr>
+        <p:txBody>
+          <a:bodyPr vert="horz" wrap="square" lIns="0" tIns="0" rIns="0" bIns="0" rtlCol="0" anchor="ctr" anchorCtr="0">
+            <a:noAutofit/>
+          </a:bodyPr>
+          <a:lstStyle/>
+          <a:p>
+            <a:pPr algn="ctr"/>
+            <a:r>
+              <a:rPr lang="en-US" sz="1200" smtClean="0">
+                <a:solidFill>
+                  <a:schemeClr val="lt1"/>
+                </a:solidFill>
+                <a:latin typeface="Calibri" panose="020F0502020204030204" pitchFamily="34" charset="0"/>
+              </a:rPr>
+              <a:t>Test Case Review and Bug Reporting</a:t>
+            </a:r>
+            <a:endParaRPr lang="en-US" sz="1200">
+              <a:solidFill>
+                <a:schemeClr val="lt1"/>
+              </a:solidFill>
+              <a:latin typeface="Calibri" panose="020F0502020204030204" pitchFamily="34" charset="0"/>
+            </a:endParaRPr>
+          </a:p>
+        </p:txBody>
+      </p:sp>
+      <p:sp>
+        <p:nvSpPr>
+          <p:cNvPr id="16" name="OTLSHAPE_SL_e20ac6c3ca0f45ddbb495b18aba18a3d_Header"/>
+          <p:cNvSpPr txBox="1"/>
+          <p:nvPr>
+            <p:custDataLst>
+              <p:tags r:id="rId46"/>
+            </p:custDataLst>
+          </p:nvPr>
+        </p:nvSpPr>
+        <p:spPr>
+          <a:xfrm>
+            <a:off x="63500" y="5935028"/>
+            <a:ext cx="2032000" cy="186055"/>
+          </a:xfrm>
+          <a:prstGeom prst="rect">
+            <a:avLst/>
+          </a:prstGeom>
+          <a:noFill/>
+        </p:spPr>
+        <p:txBody>
+          <a:bodyPr vert="horz" wrap="square" lIns="0" tIns="0" rIns="0" bIns="0" rtlCol="0" anchor="ctr" anchorCtr="0">
+            <a:noAutofit/>
+          </a:bodyPr>
+          <a:lstStyle/>
+          <a:p>
+            <a:pPr algn="ctr"/>
+            <a:r>
+              <a:rPr lang="en-US" sz="1200" smtClean="0">
+                <a:solidFill>
+                  <a:schemeClr val="lt1"/>
+                </a:solidFill>
+                <a:latin typeface="Calibri" panose="020F0502020204030204" pitchFamily="34" charset="0"/>
+              </a:rPr>
+              <a:t>Managerial Tasks</a:t>
+            </a:r>
+            <a:endParaRPr lang="en-US" sz="1200">
+              <a:solidFill>
+                <a:schemeClr val="lt1"/>
+              </a:solidFill>
+              <a:latin typeface="Calibri" panose="020F0502020204030204" pitchFamily="34" charset="0"/>
+            </a:endParaRPr>
+          </a:p>
+        </p:txBody>
+      </p:sp>
+      <p:sp>
+        <p:nvSpPr>
+          <p:cNvPr id="28" name="OTLSHAPE_SL2A_a95ae0a881c047dcac3931e6f7201637_Header" hidden="1"/>
+          <p:cNvSpPr txBox="1"/>
+          <p:nvPr>
+            <p:custDataLst>
+              <p:tags r:id="rId47"/>
+            </p:custDataLst>
+          </p:nvPr>
+        </p:nvSpPr>
+        <p:spPr>
+          <a:xfrm>
+            <a:off x="12700" y="-441267"/>
+            <a:ext cx="0" cy="0"/>
+          </a:xfrm>
+          <a:prstGeom prst="rect">
+            <a:avLst/>
+          </a:prstGeom>
+          <a:noFill/>
+        </p:spPr>
+        <p:txBody>
+          <a:bodyPr vert="horz" wrap="square" lIns="0" tIns="0" rIns="0" bIns="0" rtlCol="0" anchor="ctr" anchorCtr="0">
+            <a:spAutoFit/>
+          </a:bodyPr>
+          <a:lstStyle/>
+          <a:p>
+            <a:endParaRPr lang="en-US" sz="1100">
+              <a:solidFill>
+                <a:schemeClr val="dk1"/>
+              </a:solidFill>
+              <a:latin typeface="Calibri" panose="020F0502020204030204" pitchFamily="34" charset="0"/>
+            </a:endParaRPr>
+          </a:p>
+        </p:txBody>
+      </p:sp>
+      <p:sp>
+        <p:nvSpPr>
+          <p:cNvPr id="55" name="OTLSHAPE_SL2A_dc076fcdd1be4207b5f93815b38cd91e_Header" hidden="1"/>
+          <p:cNvSpPr txBox="1"/>
+          <p:nvPr>
+            <p:custDataLst>
+              <p:tags r:id="rId48"/>
+            </p:custDataLst>
+          </p:nvPr>
+        </p:nvSpPr>
+        <p:spPr>
+          <a:xfrm>
+            <a:off x="12700" y="-441267"/>
+            <a:ext cx="0" cy="0"/>
+          </a:xfrm>
+          <a:prstGeom prst="rect">
+            <a:avLst/>
+          </a:prstGeom>
+          <a:noFill/>
+        </p:spPr>
+        <p:txBody>
+          <a:bodyPr vert="horz" wrap="square" lIns="0" tIns="0" rIns="0" bIns="0" rtlCol="0" anchor="ctr" anchorCtr="0">
+            <a:spAutoFit/>
+          </a:bodyPr>
+          <a:lstStyle/>
+          <a:p>
+            <a:endParaRPr lang="en-US" sz="1100">
+              <a:solidFill>
+                <a:schemeClr val="dk1"/>
+              </a:solidFill>
+              <a:latin typeface="Calibri" panose="020F0502020204030204" pitchFamily="34" charset="0"/>
+            </a:endParaRPr>
+          </a:p>
+        </p:txBody>
+      </p:sp>
+      <p:sp>
+        <p:nvSpPr>
+          <p:cNvPr id="116" name="OTLSHAPE_SL_f83814d4db5f4446a686bf6806a7fec9_Header"/>
+          <p:cNvSpPr txBox="1"/>
+          <p:nvPr>
+            <p:custDataLst>
+              <p:tags r:id="rId49"/>
+            </p:custDataLst>
+          </p:nvPr>
+        </p:nvSpPr>
+        <p:spPr>
+          <a:xfrm>
+            <a:off x="63500" y="6544628"/>
+            <a:ext cx="2032000" cy="186055"/>
+          </a:xfrm>
+          <a:prstGeom prst="rect">
+            <a:avLst/>
+          </a:prstGeom>
+          <a:noFill/>
+        </p:spPr>
+        <p:txBody>
+          <a:bodyPr vert="horz" wrap="square" lIns="0" tIns="0" rIns="0" bIns="0" rtlCol="0" anchor="ctr" anchorCtr="0">
+            <a:noAutofit/>
+          </a:bodyPr>
+          <a:lstStyle/>
+          <a:p>
+            <a:pPr algn="ctr"/>
+            <a:r>
+              <a:rPr lang="en-US" sz="1200" smtClean="0">
+                <a:solidFill>
+                  <a:schemeClr val="lt1"/>
+                </a:solidFill>
+                <a:latin typeface="Calibri" panose="020F0502020204030204" pitchFamily="34" charset="0"/>
+              </a:rPr>
+              <a:t>Deployment</a:t>
+            </a:r>
+            <a:endParaRPr lang="en-US" sz="1200">
+              <a:solidFill>
+                <a:schemeClr val="lt1"/>
+              </a:solidFill>
+              <a:latin typeface="Calibri" panose="020F0502020204030204" pitchFamily="34" charset="0"/>
+            </a:endParaRPr>
+          </a:p>
+        </p:txBody>
+      </p:sp>
+      <p:sp>
+        <p:nvSpPr>
+          <p:cNvPr id="130" name="OTLSHAPE_SL2A_2e6cd13b9934453f9569c04e5e65a6eb_Header" hidden="1"/>
+          <p:cNvSpPr txBox="1"/>
+          <p:nvPr>
+            <p:custDataLst>
+              <p:tags r:id="rId50"/>
+            </p:custDataLst>
+          </p:nvPr>
+        </p:nvSpPr>
+        <p:spPr>
+          <a:xfrm>
+            <a:off x="12700" y="-441267"/>
+            <a:ext cx="0" cy="169277"/>
+          </a:xfrm>
+          <a:prstGeom prst="rect">
+            <a:avLst/>
+          </a:prstGeom>
+          <a:noFill/>
+        </p:spPr>
+        <p:txBody>
+          <a:bodyPr vert="horz" wrap="square" lIns="0" tIns="0" rIns="0" bIns="0" rtlCol="0" anchor="ctr" anchorCtr="0">
+            <a:spAutoFit/>
+          </a:bodyPr>
+          <a:lstStyle/>
+          <a:p>
+            <a:endParaRPr lang="en-US" sz="1100">
+              <a:solidFill>
+                <a:schemeClr val="dk1"/>
+              </a:solidFill>
+              <a:latin typeface="Calibri" panose="020F0502020204030204" pitchFamily="34" charset="0"/>
+            </a:endParaRPr>
+          </a:p>
+        </p:txBody>
+      </p:sp>
+      <p:sp>
+        <p:nvSpPr>
+          <p:cNvPr id="6" name="OTLSHAPE_TB_00000000000000000000000000000000_TodayMarkerShape"/>
+          <p:cNvSpPr/>
+          <p:nvPr>
+            <p:custDataLst>
+              <p:tags r:id="rId51"/>
+            </p:custDataLst>
+          </p:nvPr>
+        </p:nvSpPr>
+        <p:spPr>
+          <a:xfrm>
+            <a:off x="6245852" y="3429000"/>
+            <a:ext cx="114300" cy="127000"/>
+          </a:xfrm>
+          <a:prstGeom prst="triangle">
+            <a:avLst/>
+          </a:prstGeom>
+          <a:solidFill>
+            <a:srgbClr val="FF0000"/>
+          </a:solidFill>
+          <a:ln w="12700" cap="flat" cmpd="sng" algn="ctr">
+            <a:noFill/>
+            <a:prstDash val="solid"/>
+            <a:miter lim="800000"/>
+          </a:ln>
+          <a:effectLst/>
+          <a:extLst>
+            <a:ext uri="{91240B29-F687-4F45-9708-019B960494DF}">
+              <a14:hiddenLine xmlns:a14="http://schemas.microsoft.com/office/drawing/2010/main" w="12700" cap="flat" cmpd="sng" algn="ctr">
+                <a:solidFill>
+                  <a:schemeClr val="accent1">
+                    <a:shade val="50000"/>
+                  </a:schemeClr>
+                </a:solidFill>
+                <a:prstDash val="solid"/>
+                <a:miter lim="800000"/>
+              </a14:hiddenLine>
+            </a:ext>
+          </a:extLst>
+        </p:spPr>
+        <p:style>
+          <a:lnRef idx="2">
+            <a:schemeClr val="accent1">
+              <a:shade val="50000"/>
+            </a:schemeClr>
+          </a:lnRef>
+          <a:fillRef idx="1">
+            <a:schemeClr val="accent1"/>
+          </a:fillRef>
+          <a:effectRef idx="0">
+            <a:schemeClr val="accent1"/>
+          </a:effectRef>
+          <a:fontRef idx="minor">
+            <a:schemeClr val="lt1"/>
+          </a:fontRef>
+        </p:style>
+        <p:txBody>
+          <a:bodyPr rtlCol="0" anchor="ctr"/>
+          <a:lstStyle/>
+          <a:p>
+            <a:pPr algn="ctr"/>
+            <a:endParaRPr lang="en-US"/>
+          </a:p>
+        </p:txBody>
+      </p:sp>
+      <p:sp>
+        <p:nvSpPr>
+          <p:cNvPr id="7" name="OTLSHAPE_TB_00000000000000000000000000000000_TodayMarkerText"/>
+          <p:cNvSpPr txBox="1"/>
+          <p:nvPr>
+            <p:custDataLst>
+              <p:tags r:id="rId52"/>
+            </p:custDataLst>
+          </p:nvPr>
+        </p:nvSpPr>
+        <p:spPr>
+          <a:xfrm>
+            <a:off x="6120153" y="3556000"/>
+            <a:ext cx="368300" cy="186055"/>
+          </a:xfrm>
+          <a:prstGeom prst="rect">
+            <a:avLst/>
+          </a:prstGeom>
+          <a:noFill/>
+        </p:spPr>
+        <p:txBody>
+          <a:bodyPr vert="horz" wrap="none" lIns="0" tIns="0" rIns="0" bIns="0" rtlCol="0" anchor="ctr" anchorCtr="0">
+            <a:spAutoFit/>
+          </a:bodyPr>
+          <a:lstStyle/>
+          <a:p>
+            <a:pPr algn="ctr"/>
+            <a:r>
+              <a:rPr lang="en-US" sz="1200" spc="-12" smtClean="0">
+                <a:solidFill>
+                  <a:schemeClr val="dk1"/>
+                </a:solidFill>
+                <a:latin typeface="Calibri" panose="020F0502020204030204" pitchFamily="34" charset="0"/>
+              </a:rPr>
+              <a:t>Today</a:t>
+            </a:r>
+            <a:endParaRPr lang="en-US" sz="1200" spc="-12">
+              <a:solidFill>
+                <a:schemeClr val="dk1"/>
+              </a:solidFill>
+              <a:latin typeface="Calibri" panose="020F0502020204030204" pitchFamily="34" charset="0"/>
+            </a:endParaRPr>
+          </a:p>
+        </p:txBody>
+      </p:sp>
+      <p:sp>
+        <p:nvSpPr>
+          <p:cNvPr id="8" name="OTLSHAPE_TB_00000000000000000000000000000000_TimescaleInterval1"/>
+          <p:cNvSpPr txBox="1"/>
+          <p:nvPr>
+            <p:custDataLst>
+              <p:tags r:id="rId53"/>
+            </p:custDataLst>
+          </p:nvPr>
+        </p:nvSpPr>
+        <p:spPr>
+          <a:xfrm>
+            <a:off x="2286000" y="3145473"/>
+            <a:ext cx="348172" cy="186055"/>
+          </a:xfrm>
+          <a:prstGeom prst="rect">
+            <a:avLst/>
+          </a:prstGeom>
+          <a:noFill/>
+        </p:spPr>
+        <p:txBody>
+          <a:bodyPr vert="horz" wrap="none" lIns="0" tIns="0" rIns="0" bIns="0" rtlCol="0" anchor="ctr" anchorCtr="0">
+            <a:noAutofit/>
+          </a:bodyPr>
+          <a:lstStyle/>
+          <a:p>
+            <a:r>
+              <a:rPr lang="en-US" sz="1200" spc="-14" smtClean="0">
+                <a:solidFill>
+                  <a:schemeClr val="lt1"/>
+                </a:solidFill>
+                <a:latin typeface="Calibri" panose="020F0502020204030204" pitchFamily="34" charset="0"/>
+              </a:rPr>
+              <a:t>Day 1</a:t>
+            </a:r>
+            <a:endParaRPr lang="en-US" sz="1200" spc="-14">
+              <a:solidFill>
+                <a:schemeClr val="lt1"/>
+              </a:solidFill>
+              <a:latin typeface="Calibri" panose="020F0502020204030204" pitchFamily="34" charset="0"/>
+            </a:endParaRPr>
+          </a:p>
+        </p:txBody>
+      </p:sp>
+      <p:sp>
+        <p:nvSpPr>
+          <p:cNvPr id="10" name="OTLSHAPE_TB_00000000000000000000000000000000_TimescaleInterval2"/>
+          <p:cNvSpPr txBox="1"/>
+          <p:nvPr>
+            <p:custDataLst>
+              <p:tags r:id="rId54"/>
+            </p:custDataLst>
+          </p:nvPr>
+        </p:nvSpPr>
+        <p:spPr>
+          <a:xfrm>
+            <a:off x="3405993" y="3145473"/>
+            <a:ext cx="75470" cy="186055"/>
+          </a:xfrm>
+          <a:prstGeom prst="rect">
+            <a:avLst/>
+          </a:prstGeom>
+          <a:noFill/>
+        </p:spPr>
+        <p:txBody>
+          <a:bodyPr vert="horz" wrap="none" lIns="0" tIns="0" rIns="0" bIns="0" rtlCol="0" anchor="ctr" anchorCtr="0">
+            <a:noAutofit/>
+          </a:bodyPr>
+          <a:lstStyle/>
+          <a:p>
+            <a:r>
+              <a:rPr lang="en-US" sz="1200" spc="-40" smtClean="0">
+                <a:solidFill>
+                  <a:schemeClr val="lt1"/>
+                </a:solidFill>
+                <a:latin typeface="Calibri" panose="020F0502020204030204" pitchFamily="34" charset="0"/>
+              </a:rPr>
+              <a:t>2</a:t>
+            </a:r>
+            <a:endParaRPr lang="en-US" sz="1200" spc="-40">
+              <a:solidFill>
+                <a:schemeClr val="lt1"/>
+              </a:solidFill>
+              <a:latin typeface="Calibri" panose="020F0502020204030204" pitchFamily="34" charset="0"/>
+            </a:endParaRPr>
+          </a:p>
+        </p:txBody>
+      </p:sp>
+      <p:sp>
+        <p:nvSpPr>
+          <p:cNvPr id="107" name="OTLSHAPE_TB_00000000000000000000000000000000_TimescaleInterval3"/>
+          <p:cNvSpPr txBox="1"/>
+          <p:nvPr>
+            <p:custDataLst>
+              <p:tags r:id="rId55"/>
+            </p:custDataLst>
+          </p:nvPr>
+        </p:nvSpPr>
+        <p:spPr>
+          <a:xfrm>
+            <a:off x="4525987" y="3145473"/>
+            <a:ext cx="75470" cy="186055"/>
+          </a:xfrm>
+          <a:prstGeom prst="rect">
+            <a:avLst/>
+          </a:prstGeom>
+          <a:noFill/>
+        </p:spPr>
+        <p:txBody>
+          <a:bodyPr vert="horz" wrap="none" lIns="0" tIns="0" rIns="0" bIns="0" rtlCol="0" anchor="ctr" anchorCtr="0">
+            <a:noAutofit/>
+          </a:bodyPr>
+          <a:lstStyle/>
+          <a:p>
+            <a:r>
+              <a:rPr lang="en-US" sz="1200" spc="-40" smtClean="0">
+                <a:solidFill>
+                  <a:schemeClr val="lt1"/>
+                </a:solidFill>
+                <a:latin typeface="Calibri" panose="020F0502020204030204" pitchFamily="34" charset="0"/>
+              </a:rPr>
+              <a:t>3</a:t>
+            </a:r>
+            <a:endParaRPr lang="en-US" sz="1200" spc="-40">
+              <a:solidFill>
+                <a:schemeClr val="lt1"/>
+              </a:solidFill>
+              <a:latin typeface="Calibri" panose="020F0502020204030204" pitchFamily="34" charset="0"/>
+            </a:endParaRPr>
+          </a:p>
+        </p:txBody>
+      </p:sp>
+      <p:sp>
+        <p:nvSpPr>
+          <p:cNvPr id="25" name="OTLSHAPE_TB_00000000000000000000000000000000_TimescaleInterval4"/>
+          <p:cNvSpPr txBox="1"/>
+          <p:nvPr>
+            <p:custDataLst>
+              <p:tags r:id="rId56"/>
+            </p:custDataLst>
+          </p:nvPr>
+        </p:nvSpPr>
+        <p:spPr>
+          <a:xfrm>
+            <a:off x="5645980" y="3145473"/>
+            <a:ext cx="75470" cy="186055"/>
+          </a:xfrm>
+          <a:prstGeom prst="rect">
+            <a:avLst/>
+          </a:prstGeom>
+          <a:noFill/>
+        </p:spPr>
+        <p:txBody>
+          <a:bodyPr vert="horz" wrap="none" lIns="0" tIns="0" rIns="0" bIns="0" rtlCol="0" anchor="ctr" anchorCtr="0">
+            <a:noAutofit/>
+          </a:bodyPr>
+          <a:lstStyle/>
+          <a:p>
+            <a:r>
+              <a:rPr lang="en-US" sz="1200" spc="-40" smtClean="0">
+                <a:solidFill>
+                  <a:schemeClr val="lt1"/>
+                </a:solidFill>
+                <a:latin typeface="Calibri" panose="020F0502020204030204" pitchFamily="34" charset="0"/>
+              </a:rPr>
+              <a:t>4</a:t>
+            </a:r>
+            <a:endParaRPr lang="en-US" sz="1200" spc="-40">
+              <a:solidFill>
+                <a:schemeClr val="lt1"/>
+              </a:solidFill>
+              <a:latin typeface="Calibri" panose="020F0502020204030204" pitchFamily="34" charset="0"/>
+            </a:endParaRPr>
+          </a:p>
+        </p:txBody>
+      </p:sp>
+      <p:sp>
+        <p:nvSpPr>
+          <p:cNvPr id="74" name="OTLSHAPE_TB_00000000000000000000000000000000_TimescaleInterval5"/>
+          <p:cNvSpPr txBox="1"/>
+          <p:nvPr>
+            <p:custDataLst>
+              <p:tags r:id="rId57"/>
+            </p:custDataLst>
+          </p:nvPr>
+        </p:nvSpPr>
+        <p:spPr>
+          <a:xfrm>
+            <a:off x="6765974" y="3145473"/>
+            <a:ext cx="75470" cy="186055"/>
+          </a:xfrm>
+          <a:prstGeom prst="rect">
+            <a:avLst/>
+          </a:prstGeom>
+          <a:noFill/>
+        </p:spPr>
+        <p:txBody>
+          <a:bodyPr vert="horz" wrap="none" lIns="0" tIns="0" rIns="0" bIns="0" rtlCol="0" anchor="ctr" anchorCtr="0">
+            <a:noAutofit/>
+          </a:bodyPr>
+          <a:lstStyle/>
+          <a:p>
+            <a:r>
+              <a:rPr lang="en-US" sz="1200" spc="-40" smtClean="0">
+                <a:solidFill>
+                  <a:schemeClr val="lt1"/>
+                </a:solidFill>
+                <a:latin typeface="Calibri" panose="020F0502020204030204" pitchFamily="34" charset="0"/>
+              </a:rPr>
+              <a:t>5</a:t>
+            </a:r>
+            <a:endParaRPr lang="en-US" sz="1200" spc="-40">
+              <a:solidFill>
+                <a:schemeClr val="lt1"/>
+              </a:solidFill>
+              <a:latin typeface="Calibri" panose="020F0502020204030204" pitchFamily="34" charset="0"/>
+            </a:endParaRPr>
+          </a:p>
+        </p:txBody>
+      </p:sp>
+      <p:sp>
+        <p:nvSpPr>
+          <p:cNvPr id="91" name="OTLSHAPE_TB_00000000000000000000000000000000_TimescaleInterval6"/>
+          <p:cNvSpPr txBox="1"/>
+          <p:nvPr>
+            <p:custDataLst>
+              <p:tags r:id="rId58"/>
+            </p:custDataLst>
+          </p:nvPr>
+        </p:nvSpPr>
+        <p:spPr>
+          <a:xfrm>
+            <a:off x="7885967" y="3145473"/>
+            <a:ext cx="75470" cy="186055"/>
+          </a:xfrm>
+          <a:prstGeom prst="rect">
+            <a:avLst/>
+          </a:prstGeom>
+          <a:noFill/>
+        </p:spPr>
+        <p:txBody>
+          <a:bodyPr vert="horz" wrap="none" lIns="0" tIns="0" rIns="0" bIns="0" rtlCol="0" anchor="ctr" anchorCtr="0">
+            <a:noAutofit/>
+          </a:bodyPr>
+          <a:lstStyle/>
+          <a:p>
+            <a:r>
+              <a:rPr lang="en-US" sz="1200" spc="-40" smtClean="0">
+                <a:solidFill>
+                  <a:schemeClr val="lt1"/>
+                </a:solidFill>
+                <a:latin typeface="Calibri" panose="020F0502020204030204" pitchFamily="34" charset="0"/>
+              </a:rPr>
+              <a:t>6</a:t>
+            </a:r>
+            <a:endParaRPr lang="en-US" sz="1200" spc="-40">
+              <a:solidFill>
+                <a:schemeClr val="lt1"/>
+              </a:solidFill>
+              <a:latin typeface="Calibri" panose="020F0502020204030204" pitchFamily="34" charset="0"/>
+            </a:endParaRPr>
+          </a:p>
+        </p:txBody>
+      </p:sp>
+      <p:sp>
+        <p:nvSpPr>
+          <p:cNvPr id="93" name="OTLSHAPE_TB_00000000000000000000000000000000_TimescaleInterval7"/>
+          <p:cNvSpPr txBox="1"/>
+          <p:nvPr>
+            <p:custDataLst>
+              <p:tags r:id="rId59"/>
+            </p:custDataLst>
+          </p:nvPr>
+        </p:nvSpPr>
+        <p:spPr>
+          <a:xfrm>
+            <a:off x="9005960" y="3145473"/>
+            <a:ext cx="75470" cy="186055"/>
+          </a:xfrm>
+          <a:prstGeom prst="rect">
+            <a:avLst/>
+          </a:prstGeom>
+          <a:noFill/>
+        </p:spPr>
+        <p:txBody>
+          <a:bodyPr vert="horz" wrap="none" lIns="0" tIns="0" rIns="0" bIns="0" rtlCol="0" anchor="ctr" anchorCtr="0">
+            <a:noAutofit/>
+          </a:bodyPr>
+          <a:lstStyle/>
+          <a:p>
+            <a:r>
+              <a:rPr lang="en-US" sz="1200" spc="-40" smtClean="0">
+                <a:solidFill>
+                  <a:schemeClr val="lt1"/>
+                </a:solidFill>
+                <a:latin typeface="Calibri" panose="020F0502020204030204" pitchFamily="34" charset="0"/>
+              </a:rPr>
+              <a:t>7</a:t>
+            </a:r>
+            <a:endParaRPr lang="en-US" sz="1200" spc="-40">
+              <a:solidFill>
+                <a:schemeClr val="lt1"/>
+              </a:solidFill>
+              <a:latin typeface="Calibri" panose="020F0502020204030204" pitchFamily="34" charset="0"/>
+            </a:endParaRPr>
+          </a:p>
+        </p:txBody>
+      </p:sp>
+      <p:sp>
+        <p:nvSpPr>
+          <p:cNvPr id="95" name="OTLSHAPE_TB_00000000000000000000000000000000_TimescaleInterval8"/>
+          <p:cNvSpPr txBox="1"/>
+          <p:nvPr>
+            <p:custDataLst>
+              <p:tags r:id="rId60"/>
+            </p:custDataLst>
+          </p:nvPr>
+        </p:nvSpPr>
+        <p:spPr>
+          <a:xfrm>
+            <a:off x="10125954" y="3145473"/>
+            <a:ext cx="75470" cy="186055"/>
+          </a:xfrm>
+          <a:prstGeom prst="rect">
+            <a:avLst/>
+          </a:prstGeom>
+          <a:noFill/>
+        </p:spPr>
+        <p:txBody>
+          <a:bodyPr vert="horz" wrap="none" lIns="0" tIns="0" rIns="0" bIns="0" rtlCol="0" anchor="ctr" anchorCtr="0">
+            <a:noAutofit/>
+          </a:bodyPr>
+          <a:lstStyle/>
+          <a:p>
+            <a:r>
+              <a:rPr lang="en-US" sz="1200" spc="-40" smtClean="0">
+                <a:solidFill>
+                  <a:schemeClr val="lt1"/>
+                </a:solidFill>
+                <a:latin typeface="Calibri" panose="020F0502020204030204" pitchFamily="34" charset="0"/>
+              </a:rPr>
+              <a:t>8</a:t>
+            </a:r>
+            <a:endParaRPr lang="en-US" sz="1200" spc="-40">
+              <a:solidFill>
+                <a:schemeClr val="lt1"/>
+              </a:solidFill>
+              <a:latin typeface="Calibri" panose="020F0502020204030204" pitchFamily="34" charset="0"/>
+            </a:endParaRPr>
+          </a:p>
+        </p:txBody>
+      </p:sp>
+      <p:sp>
+        <p:nvSpPr>
+          <p:cNvPr id="33" name="OTLSHAPE_SLT_a3640656bbf14b75ac95d895e821c6a7_Duration" hidden="1"/>
+          <p:cNvSpPr txBox="1"/>
+          <p:nvPr>
+            <p:custDataLst>
+              <p:tags r:id="rId61"/>
+            </p:custDataLst>
+          </p:nvPr>
+        </p:nvSpPr>
+        <p:spPr>
+          <a:xfrm>
+            <a:off x="12700" y="-233521"/>
+            <a:ext cx="330200" cy="165100"/>
+          </a:xfrm>
+          <a:prstGeom prst="rect">
+            <a:avLst/>
+          </a:prstGeom>
+          <a:noFill/>
+        </p:spPr>
+        <p:txBody>
+          <a:bodyPr vert="horz" wrap="square" lIns="0" tIns="0" rIns="0" bIns="0" rtlCol="0" anchor="ctr" anchorCtr="0">
+            <a:spAutoFit/>
+          </a:bodyPr>
+          <a:lstStyle/>
+          <a:p>
+            <a:r>
+              <a:rPr lang="en-US" sz="1000" smtClean="0">
+                <a:solidFill>
+                  <a:schemeClr val="accent2"/>
+                </a:solidFill>
+                <a:latin typeface="Calibri" panose="020F0502020204030204" pitchFamily="34" charset="0"/>
+              </a:rPr>
+              <a:t>2 days</a:t>
+            </a:r>
+            <a:endParaRPr lang="en-US" sz="1000">
+              <a:solidFill>
+                <a:schemeClr val="accent2"/>
+              </a:solidFill>
+              <a:latin typeface="Calibri" panose="020F0502020204030204" pitchFamily="34" charset="0"/>
+            </a:endParaRPr>
+          </a:p>
+        </p:txBody>
+      </p:sp>
+      <p:sp>
+        <p:nvSpPr>
+          <p:cNvPr id="34" name="OTLSHAPE_SLT_a3640656bbf14b75ac95d895e821c6a7_TextPercentage" hidden="1"/>
+          <p:cNvSpPr txBox="1"/>
+          <p:nvPr>
+            <p:custDataLst>
+              <p:tags r:id="rId62"/>
+            </p:custDataLst>
+          </p:nvPr>
+        </p:nvSpPr>
+        <p:spPr>
+          <a:xfrm>
+            <a:off x="12700" y="74255"/>
+            <a:ext cx="0" cy="0"/>
+          </a:xfrm>
+          <a:prstGeom prst="rect">
+            <a:avLst/>
+          </a:prstGeom>
+          <a:noFill/>
+        </p:spPr>
+        <p:txBody>
+          <a:bodyPr vert="horz" wrap="square" lIns="0" tIns="0" rIns="0" bIns="0" rtlCol="0" anchor="ctr" anchorCtr="0">
+            <a:spAutoFit/>
+          </a:bodyPr>
+          <a:lstStyle/>
+          <a:p>
+            <a:endParaRPr lang="en-US" sz="1000">
+              <a:solidFill>
+                <a:schemeClr val="accent2"/>
+              </a:solidFill>
+              <a:latin typeface="Calibri" panose="020F0502020204030204" pitchFamily="34" charset="0"/>
+            </a:endParaRPr>
+          </a:p>
+        </p:txBody>
+      </p:sp>
+      <p:sp>
+        <p:nvSpPr>
+          <p:cNvPr id="35" name="OTLSHAPE_SLT_a3640656bbf14b75ac95d895e821c6a7_JoinedDate" hidden="1"/>
+          <p:cNvSpPr txBox="1"/>
+          <p:nvPr>
+            <p:custDataLst>
+              <p:tags r:id="rId63"/>
+            </p:custDataLst>
+          </p:nvPr>
+        </p:nvSpPr>
+        <p:spPr>
+          <a:xfrm>
+            <a:off x="12700" y="74255"/>
+            <a:ext cx="0" cy="0"/>
+          </a:xfrm>
+          <a:prstGeom prst="rect">
+            <a:avLst/>
+          </a:prstGeom>
+          <a:noFill/>
+        </p:spPr>
+        <p:txBody>
+          <a:bodyPr vert="horz" wrap="square" lIns="0" tIns="0" rIns="0" bIns="0" rtlCol="0" anchor="ctr" anchorCtr="0">
+            <a:spAutoFit/>
+          </a:bodyPr>
+          <a:lstStyle/>
+          <a:p>
+            <a:pPr algn="ctr"/>
+            <a:endParaRPr lang="en-US" sz="1000">
+              <a:solidFill>
+                <a:schemeClr val="dk2"/>
+              </a:solidFill>
+              <a:latin typeface="Calibri" panose="020F0502020204030204" pitchFamily="34" charset="0"/>
+            </a:endParaRPr>
+          </a:p>
+        </p:txBody>
+      </p:sp>
+      <p:sp>
+        <p:nvSpPr>
+          <p:cNvPr id="36" name="OTLSHAPE_SLT_a3640656bbf14b75ac95d895e821c6a7_StartDate"/>
+          <p:cNvSpPr txBox="1"/>
+          <p:nvPr>
+            <p:custDataLst>
+              <p:tags r:id="rId64"/>
+            </p:custDataLst>
+          </p:nvPr>
+        </p:nvSpPr>
+        <p:spPr>
+          <a:xfrm>
+            <a:off x="1789684" y="4007443"/>
+            <a:ext cx="393700" cy="155025"/>
+          </a:xfrm>
+          <a:prstGeom prst="rect">
+            <a:avLst/>
+          </a:prstGeom>
+          <a:noFill/>
+        </p:spPr>
+        <p:txBody>
+          <a:bodyPr vert="horz" wrap="square" lIns="0" tIns="0" rIns="0" bIns="0" rtlCol="0" anchor="ctr" anchorCtr="0">
+            <a:spAutoFit/>
+          </a:bodyPr>
+          <a:lstStyle/>
+          <a:p>
+            <a:pPr algn="ctr"/>
+            <a:r>
+              <a:rPr lang="en-US" sz="1000" spc="-8" smtClean="0">
+                <a:solidFill>
+                  <a:schemeClr val="dk2"/>
+                </a:solidFill>
+                <a:latin typeface="Calibri" panose="020F0502020204030204" pitchFamily="34" charset="0"/>
+              </a:rPr>
+              <a:t>May 21</a:t>
+            </a:r>
+            <a:endParaRPr lang="en-US" sz="1000" spc="-8">
+              <a:solidFill>
+                <a:schemeClr val="dk2"/>
+              </a:solidFill>
+              <a:latin typeface="Calibri" panose="020F0502020204030204" pitchFamily="34" charset="0"/>
+            </a:endParaRPr>
+          </a:p>
+        </p:txBody>
+      </p:sp>
+      <p:sp>
+        <p:nvSpPr>
+          <p:cNvPr id="37" name="OTLSHAPE_SLT_a3640656bbf14b75ac95d895e821c6a7_EndDate"/>
+          <p:cNvSpPr txBox="1"/>
+          <p:nvPr>
+            <p:custDataLst>
+              <p:tags r:id="rId65"/>
+            </p:custDataLst>
+          </p:nvPr>
+        </p:nvSpPr>
+        <p:spPr>
+          <a:xfrm>
+            <a:off x="6752496" y="4007443"/>
+            <a:ext cx="393700" cy="155025"/>
+          </a:xfrm>
+          <a:prstGeom prst="rect">
+            <a:avLst/>
+          </a:prstGeom>
+          <a:noFill/>
+        </p:spPr>
+        <p:txBody>
+          <a:bodyPr vert="horz" wrap="square" lIns="0" tIns="0" rIns="0" bIns="0" rtlCol="0" anchor="ctr" anchorCtr="0">
+            <a:spAutoFit/>
+          </a:bodyPr>
+          <a:lstStyle/>
+          <a:p>
+            <a:pPr algn="ctr"/>
+            <a:r>
+              <a:rPr lang="en-US" sz="1000" spc="-8" smtClean="0">
+                <a:solidFill>
+                  <a:schemeClr val="dk2"/>
+                </a:solidFill>
+                <a:latin typeface="Calibri" panose="020F0502020204030204" pitchFamily="34" charset="0"/>
+              </a:rPr>
+              <a:t>May 24</a:t>
+            </a:r>
+            <a:endParaRPr lang="en-US" sz="1000" spc="-8">
+              <a:solidFill>
+                <a:schemeClr val="dk2"/>
+              </a:solidFill>
+              <a:latin typeface="Calibri" panose="020F0502020204030204" pitchFamily="34" charset="0"/>
+            </a:endParaRPr>
+          </a:p>
+        </p:txBody>
+      </p:sp>
+      <p:sp>
+        <p:nvSpPr>
+          <p:cNvPr id="38" name="OTLSHAPE_SLT_a3640656bbf14b75ac95d895e821c6a7_Title"/>
+          <p:cNvSpPr txBox="1"/>
+          <p:nvPr>
+            <p:custDataLst>
+              <p:tags r:id="rId66"/>
+            </p:custDataLst>
+          </p:nvPr>
+        </p:nvSpPr>
+        <p:spPr>
+          <a:xfrm>
+            <a:off x="4114012" y="3999696"/>
+            <a:ext cx="698500" cy="170519"/>
+          </a:xfrm>
+          <a:prstGeom prst="rect">
+            <a:avLst/>
+          </a:prstGeom>
+          <a:noFill/>
+        </p:spPr>
+        <p:txBody>
+          <a:bodyPr vert="horz" wrap="square" lIns="0" tIns="0" rIns="0" bIns="0" rtlCol="0" anchor="ctr" anchorCtr="0">
+            <a:spAutoFit/>
+          </a:bodyPr>
+          <a:lstStyle/>
+          <a:p>
+            <a:pPr algn="ctr"/>
+            <a:r>
+              <a:rPr lang="en-US" sz="1100" b="1" spc="-12" smtClean="0">
+                <a:solidFill>
+                  <a:schemeClr val="dk1"/>
+                </a:solidFill>
+                <a:latin typeface="Calibri" panose="020F0502020204030204" pitchFamily="34" charset="0"/>
+              </a:rPr>
+              <a:t>Registration</a:t>
+            </a:r>
+            <a:endParaRPr lang="en-US" sz="1100" b="1" spc="-12">
+              <a:solidFill>
+                <a:schemeClr val="dk1"/>
+              </a:solidFill>
+              <a:latin typeface="Calibri" panose="020F0502020204030204" pitchFamily="34" charset="0"/>
+            </a:endParaRPr>
+          </a:p>
+        </p:txBody>
+      </p:sp>
+      <p:sp>
+        <p:nvSpPr>
+          <p:cNvPr id="41" name="OTLSHAPE_SLT_a320c2eda63b4916beda858fff0be575_Duration" hidden="1"/>
+          <p:cNvSpPr txBox="1"/>
+          <p:nvPr>
+            <p:custDataLst>
+              <p:tags r:id="rId67"/>
+            </p:custDataLst>
+          </p:nvPr>
+        </p:nvSpPr>
+        <p:spPr>
+          <a:xfrm>
+            <a:off x="12700" y="-233521"/>
+            <a:ext cx="330200" cy="165100"/>
+          </a:xfrm>
+          <a:prstGeom prst="rect">
+            <a:avLst/>
+          </a:prstGeom>
+          <a:noFill/>
+        </p:spPr>
+        <p:txBody>
+          <a:bodyPr vert="horz" wrap="square" lIns="0" tIns="0" rIns="0" bIns="0" rtlCol="0" anchor="ctr" anchorCtr="0">
+            <a:spAutoFit/>
+          </a:bodyPr>
+          <a:lstStyle/>
+          <a:p>
+            <a:r>
+              <a:rPr lang="en-US" sz="1000" smtClean="0">
+                <a:solidFill>
+                  <a:schemeClr val="accent2"/>
+                </a:solidFill>
+                <a:latin typeface="Calibri" panose="020F0502020204030204" pitchFamily="34" charset="0"/>
+              </a:rPr>
+              <a:t>2 days</a:t>
+            </a:r>
+            <a:endParaRPr lang="en-US" sz="1000">
+              <a:solidFill>
+                <a:schemeClr val="accent2"/>
+              </a:solidFill>
+              <a:latin typeface="Calibri" panose="020F0502020204030204" pitchFamily="34" charset="0"/>
+            </a:endParaRPr>
+          </a:p>
+        </p:txBody>
+      </p:sp>
+      <p:sp>
+        <p:nvSpPr>
+          <p:cNvPr id="42" name="OTLSHAPE_SLT_a320c2eda63b4916beda858fff0be575_TextPercentage" hidden="1"/>
+          <p:cNvSpPr txBox="1"/>
+          <p:nvPr>
+            <p:custDataLst>
+              <p:tags r:id="rId68"/>
+            </p:custDataLst>
+          </p:nvPr>
+        </p:nvSpPr>
+        <p:spPr>
+          <a:xfrm>
+            <a:off x="12700" y="74255"/>
+            <a:ext cx="0" cy="0"/>
+          </a:xfrm>
+          <a:prstGeom prst="rect">
+            <a:avLst/>
+          </a:prstGeom>
+          <a:noFill/>
+        </p:spPr>
+        <p:txBody>
+          <a:bodyPr vert="horz" wrap="square" lIns="0" tIns="0" rIns="0" bIns="0" rtlCol="0" anchor="ctr" anchorCtr="0">
+            <a:spAutoFit/>
+          </a:bodyPr>
+          <a:lstStyle/>
+          <a:p>
+            <a:endParaRPr lang="en-US" sz="1000">
+              <a:solidFill>
+                <a:schemeClr val="accent2"/>
+              </a:solidFill>
+              <a:latin typeface="Calibri" panose="020F0502020204030204" pitchFamily="34" charset="0"/>
+            </a:endParaRPr>
+          </a:p>
+        </p:txBody>
+      </p:sp>
+      <p:sp>
+        <p:nvSpPr>
+          <p:cNvPr id="43" name="OTLSHAPE_SLT_a320c2eda63b4916beda858fff0be575_JoinedDate" hidden="1"/>
+          <p:cNvSpPr txBox="1"/>
+          <p:nvPr>
+            <p:custDataLst>
+              <p:tags r:id="rId69"/>
+            </p:custDataLst>
+          </p:nvPr>
+        </p:nvSpPr>
+        <p:spPr>
+          <a:xfrm>
+            <a:off x="12700" y="74255"/>
+            <a:ext cx="0" cy="0"/>
+          </a:xfrm>
+          <a:prstGeom prst="rect">
+            <a:avLst/>
+          </a:prstGeom>
+          <a:noFill/>
+        </p:spPr>
+        <p:txBody>
+          <a:bodyPr vert="horz" wrap="square" lIns="0" tIns="0" rIns="0" bIns="0" rtlCol="0" anchor="ctr" anchorCtr="0">
+            <a:spAutoFit/>
+          </a:bodyPr>
+          <a:lstStyle/>
+          <a:p>
+            <a:pPr algn="ctr"/>
+            <a:endParaRPr lang="en-US" sz="1000">
+              <a:solidFill>
+                <a:schemeClr val="dk2"/>
+              </a:solidFill>
+              <a:latin typeface="Calibri" panose="020F0502020204030204" pitchFamily="34" charset="0"/>
+            </a:endParaRPr>
+          </a:p>
+        </p:txBody>
+      </p:sp>
+      <p:sp>
+        <p:nvSpPr>
+          <p:cNvPr id="44" name="OTLSHAPE_SLT_a320c2eda63b4916beda858fff0be575_StartDate"/>
+          <p:cNvSpPr txBox="1"/>
+          <p:nvPr>
+            <p:custDataLst>
+              <p:tags r:id="rId70"/>
+            </p:custDataLst>
+          </p:nvPr>
+        </p:nvSpPr>
+        <p:spPr>
+          <a:xfrm>
+            <a:off x="1789684" y="4274143"/>
+            <a:ext cx="393700" cy="155025"/>
+          </a:xfrm>
+          <a:prstGeom prst="rect">
+            <a:avLst/>
+          </a:prstGeom>
+          <a:noFill/>
+        </p:spPr>
+        <p:txBody>
+          <a:bodyPr vert="horz" wrap="square" lIns="0" tIns="0" rIns="0" bIns="0" rtlCol="0" anchor="ctr" anchorCtr="0">
+            <a:spAutoFit/>
+          </a:bodyPr>
+          <a:lstStyle/>
+          <a:p>
+            <a:pPr algn="ctr"/>
+            <a:r>
+              <a:rPr lang="en-US" sz="1000" spc="-8" smtClean="0">
+                <a:solidFill>
+                  <a:schemeClr val="dk2"/>
+                </a:solidFill>
+                <a:latin typeface="Calibri" panose="020F0502020204030204" pitchFamily="34" charset="0"/>
+              </a:rPr>
+              <a:t>May 21</a:t>
+            </a:r>
+            <a:endParaRPr lang="en-US" sz="1000" spc="-8">
+              <a:solidFill>
+                <a:schemeClr val="dk2"/>
+              </a:solidFill>
+              <a:latin typeface="Calibri" panose="020F0502020204030204" pitchFamily="34" charset="0"/>
+            </a:endParaRPr>
+          </a:p>
+        </p:txBody>
+      </p:sp>
+      <p:sp>
+        <p:nvSpPr>
+          <p:cNvPr id="45" name="OTLSHAPE_SLT_a320c2eda63b4916beda858fff0be575_EndDate"/>
+          <p:cNvSpPr txBox="1"/>
+          <p:nvPr>
+            <p:custDataLst>
+              <p:tags r:id="rId71"/>
+            </p:custDataLst>
+          </p:nvPr>
+        </p:nvSpPr>
+        <p:spPr>
+          <a:xfrm>
+            <a:off x="6752496" y="4274143"/>
+            <a:ext cx="393700" cy="155025"/>
+          </a:xfrm>
+          <a:prstGeom prst="rect">
+            <a:avLst/>
+          </a:prstGeom>
+          <a:noFill/>
+        </p:spPr>
+        <p:txBody>
+          <a:bodyPr vert="horz" wrap="square" lIns="0" tIns="0" rIns="0" bIns="0" rtlCol="0" anchor="ctr" anchorCtr="0">
+            <a:spAutoFit/>
+          </a:bodyPr>
+          <a:lstStyle/>
+          <a:p>
+            <a:pPr algn="ctr"/>
+            <a:r>
+              <a:rPr lang="en-US" sz="1000" spc="-8" smtClean="0">
+                <a:solidFill>
+                  <a:schemeClr val="dk2"/>
+                </a:solidFill>
+                <a:latin typeface="Calibri" panose="020F0502020204030204" pitchFamily="34" charset="0"/>
+              </a:rPr>
+              <a:t>May 24</a:t>
+            </a:r>
+            <a:endParaRPr lang="en-US" sz="1000" spc="-8">
+              <a:solidFill>
+                <a:schemeClr val="dk2"/>
+              </a:solidFill>
+              <a:latin typeface="Calibri" panose="020F0502020204030204" pitchFamily="34" charset="0"/>
+            </a:endParaRPr>
+          </a:p>
+        </p:txBody>
+      </p:sp>
+      <p:sp>
+        <p:nvSpPr>
+          <p:cNvPr id="46" name="OTLSHAPE_SLT_a320c2eda63b4916beda858fff0be575_Title"/>
+          <p:cNvSpPr txBox="1"/>
+          <p:nvPr>
+            <p:custDataLst>
+              <p:tags r:id="rId72"/>
+            </p:custDataLst>
+          </p:nvPr>
+        </p:nvSpPr>
+        <p:spPr>
+          <a:xfrm>
+            <a:off x="4307264" y="4266396"/>
+            <a:ext cx="317500" cy="170519"/>
+          </a:xfrm>
+          <a:prstGeom prst="rect">
+            <a:avLst/>
+          </a:prstGeom>
+          <a:noFill/>
+        </p:spPr>
+        <p:txBody>
+          <a:bodyPr vert="horz" wrap="square" lIns="0" tIns="0" rIns="0" bIns="0" rtlCol="0" anchor="ctr" anchorCtr="0">
+            <a:spAutoFit/>
+          </a:bodyPr>
+          <a:lstStyle/>
+          <a:p>
+            <a:pPr algn="ctr"/>
+            <a:r>
+              <a:rPr lang="en-US" sz="1100" b="1" spc="-10" smtClean="0">
+                <a:solidFill>
+                  <a:schemeClr val="dk1"/>
+                </a:solidFill>
+                <a:latin typeface="Calibri" panose="020F0502020204030204" pitchFamily="34" charset="0"/>
+              </a:rPr>
+              <a:t>Login</a:t>
+            </a:r>
+            <a:endParaRPr lang="en-US" sz="1100" b="1" spc="-10">
+              <a:solidFill>
+                <a:schemeClr val="dk1"/>
+              </a:solidFill>
+              <a:latin typeface="Calibri" panose="020F0502020204030204" pitchFamily="34" charset="0"/>
+            </a:endParaRPr>
+          </a:p>
+        </p:txBody>
+      </p:sp>
+      <p:sp>
+        <p:nvSpPr>
+          <p:cNvPr id="49" name="OTLSHAPE_SLT_a0cba5ed30614cde9ef07b06edf8780c_Duration" hidden="1"/>
+          <p:cNvSpPr txBox="1"/>
+          <p:nvPr>
+            <p:custDataLst>
+              <p:tags r:id="rId73"/>
+            </p:custDataLst>
+          </p:nvPr>
+        </p:nvSpPr>
+        <p:spPr>
+          <a:xfrm>
+            <a:off x="12700" y="-233521"/>
+            <a:ext cx="330200" cy="165100"/>
+          </a:xfrm>
+          <a:prstGeom prst="rect">
+            <a:avLst/>
+          </a:prstGeom>
+          <a:noFill/>
+        </p:spPr>
+        <p:txBody>
+          <a:bodyPr vert="horz" wrap="square" lIns="0" tIns="0" rIns="0" bIns="0" rtlCol="0" anchor="ctr" anchorCtr="0">
+            <a:spAutoFit/>
+          </a:bodyPr>
+          <a:lstStyle/>
+          <a:p>
+            <a:r>
+              <a:rPr lang="en-US" sz="1000" smtClean="0">
+                <a:solidFill>
+                  <a:schemeClr val="accent2"/>
+                </a:solidFill>
+                <a:latin typeface="Calibri" panose="020F0502020204030204" pitchFamily="34" charset="0"/>
+              </a:rPr>
+              <a:t>2 days</a:t>
+            </a:r>
+            <a:endParaRPr lang="en-US" sz="1000">
+              <a:solidFill>
+                <a:schemeClr val="accent2"/>
+              </a:solidFill>
+              <a:latin typeface="Calibri" panose="020F0502020204030204" pitchFamily="34" charset="0"/>
+            </a:endParaRPr>
+          </a:p>
+        </p:txBody>
+      </p:sp>
+      <p:sp>
+        <p:nvSpPr>
+          <p:cNvPr id="50" name="OTLSHAPE_SLT_a0cba5ed30614cde9ef07b06edf8780c_TextPercentage" hidden="1"/>
+          <p:cNvSpPr txBox="1"/>
+          <p:nvPr>
+            <p:custDataLst>
+              <p:tags r:id="rId74"/>
+            </p:custDataLst>
+          </p:nvPr>
+        </p:nvSpPr>
+        <p:spPr>
+          <a:xfrm>
+            <a:off x="12700" y="74255"/>
+            <a:ext cx="0" cy="0"/>
+          </a:xfrm>
+          <a:prstGeom prst="rect">
+            <a:avLst/>
+          </a:prstGeom>
+          <a:noFill/>
+        </p:spPr>
+        <p:txBody>
+          <a:bodyPr vert="horz" wrap="square" lIns="0" tIns="0" rIns="0" bIns="0" rtlCol="0" anchor="ctr" anchorCtr="0">
+            <a:spAutoFit/>
+          </a:bodyPr>
+          <a:lstStyle/>
+          <a:p>
+            <a:endParaRPr lang="en-US" sz="1000">
+              <a:solidFill>
+                <a:schemeClr val="accent2"/>
+              </a:solidFill>
+              <a:latin typeface="Calibri" panose="020F0502020204030204" pitchFamily="34" charset="0"/>
+            </a:endParaRPr>
+          </a:p>
+        </p:txBody>
+      </p:sp>
+      <p:sp>
+        <p:nvSpPr>
+          <p:cNvPr id="51" name="OTLSHAPE_SLT_a0cba5ed30614cde9ef07b06edf8780c_JoinedDate" hidden="1"/>
+          <p:cNvSpPr txBox="1"/>
+          <p:nvPr>
+            <p:custDataLst>
+              <p:tags r:id="rId75"/>
+            </p:custDataLst>
+          </p:nvPr>
+        </p:nvSpPr>
+        <p:spPr>
+          <a:xfrm>
+            <a:off x="12700" y="74255"/>
+            <a:ext cx="0" cy="0"/>
+          </a:xfrm>
+          <a:prstGeom prst="rect">
+            <a:avLst/>
+          </a:prstGeom>
+          <a:noFill/>
+        </p:spPr>
+        <p:txBody>
+          <a:bodyPr vert="horz" wrap="square" lIns="0" tIns="0" rIns="0" bIns="0" rtlCol="0" anchor="ctr" anchorCtr="0">
+            <a:spAutoFit/>
+          </a:bodyPr>
+          <a:lstStyle/>
+          <a:p>
+            <a:pPr algn="ctr"/>
+            <a:endParaRPr lang="en-US" sz="1000">
+              <a:solidFill>
+                <a:schemeClr val="dk2"/>
+              </a:solidFill>
+              <a:latin typeface="Calibri" panose="020F0502020204030204" pitchFamily="34" charset="0"/>
+            </a:endParaRPr>
+          </a:p>
+        </p:txBody>
+      </p:sp>
+      <p:sp>
+        <p:nvSpPr>
+          <p:cNvPr id="52" name="OTLSHAPE_SLT_a0cba5ed30614cde9ef07b06edf8780c_StartDate"/>
+          <p:cNvSpPr txBox="1"/>
+          <p:nvPr>
+            <p:custDataLst>
+              <p:tags r:id="rId76"/>
+            </p:custDataLst>
+          </p:nvPr>
+        </p:nvSpPr>
+        <p:spPr>
+          <a:xfrm>
+            <a:off x="1789684" y="4540843"/>
+            <a:ext cx="393700" cy="155025"/>
+          </a:xfrm>
+          <a:prstGeom prst="rect">
+            <a:avLst/>
+          </a:prstGeom>
+          <a:noFill/>
+        </p:spPr>
+        <p:txBody>
+          <a:bodyPr vert="horz" wrap="square" lIns="0" tIns="0" rIns="0" bIns="0" rtlCol="0" anchor="ctr" anchorCtr="0">
+            <a:spAutoFit/>
+          </a:bodyPr>
+          <a:lstStyle/>
+          <a:p>
+            <a:pPr algn="ctr"/>
+            <a:r>
+              <a:rPr lang="en-US" sz="1000" spc="-8" smtClean="0">
+                <a:solidFill>
+                  <a:schemeClr val="dk2"/>
+                </a:solidFill>
+                <a:latin typeface="Calibri" panose="020F0502020204030204" pitchFamily="34" charset="0"/>
+              </a:rPr>
+              <a:t>May 21</a:t>
+            </a:r>
+            <a:endParaRPr lang="en-US" sz="1000" spc="-8">
+              <a:solidFill>
+                <a:schemeClr val="dk2"/>
+              </a:solidFill>
+              <a:latin typeface="Calibri" panose="020F0502020204030204" pitchFamily="34" charset="0"/>
+            </a:endParaRPr>
+          </a:p>
+        </p:txBody>
+      </p:sp>
+      <p:sp>
+        <p:nvSpPr>
+          <p:cNvPr id="53" name="OTLSHAPE_SLT_a0cba5ed30614cde9ef07b06edf8780c_EndDate"/>
+          <p:cNvSpPr txBox="1"/>
+          <p:nvPr>
+            <p:custDataLst>
+              <p:tags r:id="rId77"/>
+            </p:custDataLst>
+          </p:nvPr>
+        </p:nvSpPr>
+        <p:spPr>
+          <a:xfrm>
+            <a:off x="6752496" y="4540843"/>
+            <a:ext cx="393700" cy="155025"/>
+          </a:xfrm>
+          <a:prstGeom prst="rect">
+            <a:avLst/>
+          </a:prstGeom>
+          <a:noFill/>
+        </p:spPr>
+        <p:txBody>
+          <a:bodyPr vert="horz" wrap="square" lIns="0" tIns="0" rIns="0" bIns="0" rtlCol="0" anchor="ctr" anchorCtr="0">
+            <a:spAutoFit/>
+          </a:bodyPr>
+          <a:lstStyle/>
+          <a:p>
+            <a:pPr algn="ctr"/>
+            <a:r>
+              <a:rPr lang="en-US" sz="1000" spc="-8" smtClean="0">
+                <a:solidFill>
+                  <a:schemeClr val="dk2"/>
+                </a:solidFill>
+                <a:latin typeface="Calibri" panose="020F0502020204030204" pitchFamily="34" charset="0"/>
+              </a:rPr>
+              <a:t>May 24</a:t>
+            </a:r>
+            <a:endParaRPr lang="en-US" sz="1000" spc="-8">
+              <a:solidFill>
+                <a:schemeClr val="dk2"/>
+              </a:solidFill>
+              <a:latin typeface="Calibri" panose="020F0502020204030204" pitchFamily="34" charset="0"/>
+            </a:endParaRPr>
+          </a:p>
+        </p:txBody>
+      </p:sp>
+      <p:sp>
+        <p:nvSpPr>
+          <p:cNvPr id="57" name="OTLSHAPE_SLT_a0cba5ed30614cde9ef07b06edf8780c_Title"/>
+          <p:cNvSpPr txBox="1"/>
+          <p:nvPr>
+            <p:custDataLst>
+              <p:tags r:id="rId78"/>
+            </p:custDataLst>
+          </p:nvPr>
+        </p:nvSpPr>
+        <p:spPr>
+          <a:xfrm>
+            <a:off x="4137105" y="4533096"/>
+            <a:ext cx="660400" cy="170519"/>
+          </a:xfrm>
+          <a:prstGeom prst="rect">
+            <a:avLst/>
+          </a:prstGeom>
+          <a:noFill/>
+        </p:spPr>
+        <p:txBody>
+          <a:bodyPr vert="horz" wrap="square" lIns="0" tIns="0" rIns="0" bIns="0" rtlCol="0" anchor="ctr" anchorCtr="0">
+            <a:spAutoFit/>
+          </a:bodyPr>
+          <a:lstStyle/>
+          <a:p>
+            <a:pPr algn="ctr"/>
+            <a:r>
+              <a:rPr lang="en-US" sz="1100" b="1" spc="-6" smtClean="0">
+                <a:solidFill>
+                  <a:schemeClr val="dk1"/>
+                </a:solidFill>
+                <a:latin typeface="Calibri" panose="020F0502020204030204" pitchFamily="34" charset="0"/>
+              </a:rPr>
+              <a:t>Update Car</a:t>
+            </a:r>
+            <a:endParaRPr lang="en-US" sz="1100" b="1" spc="-6">
+              <a:solidFill>
+                <a:schemeClr val="dk1"/>
+              </a:solidFill>
+              <a:latin typeface="Calibri" panose="020F0502020204030204" pitchFamily="34" charset="0"/>
+            </a:endParaRPr>
+          </a:p>
+        </p:txBody>
+      </p:sp>
+      <p:sp>
+        <p:nvSpPr>
+          <p:cNvPr id="60" name="OTLSHAPE_SLT_68116b8458bc4f0baf8d62c8eac08aac_Duration" hidden="1"/>
+          <p:cNvSpPr txBox="1"/>
+          <p:nvPr>
+            <p:custDataLst>
+              <p:tags r:id="rId79"/>
+            </p:custDataLst>
+          </p:nvPr>
+        </p:nvSpPr>
+        <p:spPr>
+          <a:xfrm>
+            <a:off x="12700" y="-233521"/>
+            <a:ext cx="330200" cy="165100"/>
+          </a:xfrm>
+          <a:prstGeom prst="rect">
+            <a:avLst/>
+          </a:prstGeom>
+          <a:noFill/>
+        </p:spPr>
+        <p:txBody>
+          <a:bodyPr vert="horz" wrap="square" lIns="0" tIns="0" rIns="0" bIns="0" rtlCol="0" anchor="ctr" anchorCtr="0">
+            <a:spAutoFit/>
+          </a:bodyPr>
+          <a:lstStyle/>
+          <a:p>
+            <a:r>
+              <a:rPr lang="en-US" sz="1000" smtClean="0">
+                <a:solidFill>
+                  <a:schemeClr val="accent2"/>
+                </a:solidFill>
+                <a:latin typeface="Calibri" panose="020F0502020204030204" pitchFamily="34" charset="0"/>
+              </a:rPr>
+              <a:t>2 days</a:t>
+            </a:r>
+            <a:endParaRPr lang="en-US" sz="1000">
+              <a:solidFill>
+                <a:schemeClr val="accent2"/>
+              </a:solidFill>
+              <a:latin typeface="Calibri" panose="020F0502020204030204" pitchFamily="34" charset="0"/>
+            </a:endParaRPr>
+          </a:p>
+        </p:txBody>
+      </p:sp>
+      <p:sp>
+        <p:nvSpPr>
+          <p:cNvPr id="61" name="OTLSHAPE_SLT_68116b8458bc4f0baf8d62c8eac08aac_TextPercentage" hidden="1"/>
+          <p:cNvSpPr txBox="1"/>
+          <p:nvPr>
+            <p:custDataLst>
+              <p:tags r:id="rId80"/>
+            </p:custDataLst>
+          </p:nvPr>
+        </p:nvSpPr>
+        <p:spPr>
+          <a:xfrm>
+            <a:off x="12700" y="74255"/>
+            <a:ext cx="0" cy="0"/>
+          </a:xfrm>
+          <a:prstGeom prst="rect">
+            <a:avLst/>
+          </a:prstGeom>
+          <a:noFill/>
+        </p:spPr>
+        <p:txBody>
+          <a:bodyPr vert="horz" wrap="square" lIns="0" tIns="0" rIns="0" bIns="0" rtlCol="0" anchor="ctr" anchorCtr="0">
+            <a:spAutoFit/>
+          </a:bodyPr>
+          <a:lstStyle/>
+          <a:p>
+            <a:endParaRPr lang="en-US" sz="1000">
+              <a:solidFill>
+                <a:schemeClr val="accent2"/>
+              </a:solidFill>
+              <a:latin typeface="Calibri" panose="020F0502020204030204" pitchFamily="34" charset="0"/>
+            </a:endParaRPr>
+          </a:p>
+        </p:txBody>
+      </p:sp>
+      <p:sp>
+        <p:nvSpPr>
+          <p:cNvPr id="62" name="OTLSHAPE_SLT_68116b8458bc4f0baf8d62c8eac08aac_JoinedDate" hidden="1"/>
+          <p:cNvSpPr txBox="1"/>
+          <p:nvPr>
+            <p:custDataLst>
+              <p:tags r:id="rId81"/>
+            </p:custDataLst>
+          </p:nvPr>
+        </p:nvSpPr>
+        <p:spPr>
+          <a:xfrm>
+            <a:off x="12700" y="74255"/>
+            <a:ext cx="0" cy="0"/>
+          </a:xfrm>
+          <a:prstGeom prst="rect">
+            <a:avLst/>
+          </a:prstGeom>
+          <a:noFill/>
+        </p:spPr>
+        <p:txBody>
+          <a:bodyPr vert="horz" wrap="square" lIns="0" tIns="0" rIns="0" bIns="0" rtlCol="0" anchor="ctr" anchorCtr="0">
+            <a:spAutoFit/>
+          </a:bodyPr>
+          <a:lstStyle/>
+          <a:p>
+            <a:pPr algn="ctr"/>
+            <a:endParaRPr lang="en-US" sz="1000">
+              <a:solidFill>
+                <a:schemeClr val="dk2"/>
+              </a:solidFill>
+              <a:latin typeface="Calibri" panose="020F0502020204030204" pitchFamily="34" charset="0"/>
+            </a:endParaRPr>
+          </a:p>
+        </p:txBody>
+      </p:sp>
+      <p:sp>
+        <p:nvSpPr>
+          <p:cNvPr id="63" name="OTLSHAPE_SLT_68116b8458bc4f0baf8d62c8eac08aac_StartDate"/>
+          <p:cNvSpPr txBox="1"/>
+          <p:nvPr>
+            <p:custDataLst>
+              <p:tags r:id="rId82"/>
+            </p:custDataLst>
+          </p:nvPr>
+        </p:nvSpPr>
+        <p:spPr>
+          <a:xfrm>
+            <a:off x="1789684" y="4807543"/>
+            <a:ext cx="393700" cy="155025"/>
+          </a:xfrm>
+          <a:prstGeom prst="rect">
+            <a:avLst/>
+          </a:prstGeom>
+          <a:noFill/>
+        </p:spPr>
+        <p:txBody>
+          <a:bodyPr vert="horz" wrap="square" lIns="0" tIns="0" rIns="0" bIns="0" rtlCol="0" anchor="ctr" anchorCtr="0">
+            <a:spAutoFit/>
+          </a:bodyPr>
+          <a:lstStyle/>
+          <a:p>
+            <a:pPr algn="ctr"/>
+            <a:r>
+              <a:rPr lang="en-US" sz="1000" spc="-8" smtClean="0">
+                <a:solidFill>
+                  <a:schemeClr val="dk2"/>
+                </a:solidFill>
+                <a:latin typeface="Calibri" panose="020F0502020204030204" pitchFamily="34" charset="0"/>
+              </a:rPr>
+              <a:t>May 21</a:t>
+            </a:r>
+            <a:endParaRPr lang="en-US" sz="1000" spc="-8">
+              <a:solidFill>
+                <a:schemeClr val="dk2"/>
+              </a:solidFill>
+              <a:latin typeface="Calibri" panose="020F0502020204030204" pitchFamily="34" charset="0"/>
+            </a:endParaRPr>
+          </a:p>
+        </p:txBody>
+      </p:sp>
+      <p:sp>
+        <p:nvSpPr>
+          <p:cNvPr id="64" name="OTLSHAPE_SLT_68116b8458bc4f0baf8d62c8eac08aac_EndDate"/>
+          <p:cNvSpPr txBox="1"/>
+          <p:nvPr>
+            <p:custDataLst>
+              <p:tags r:id="rId83"/>
+            </p:custDataLst>
+          </p:nvPr>
+        </p:nvSpPr>
+        <p:spPr>
+          <a:xfrm>
+            <a:off x="6752496" y="4807543"/>
+            <a:ext cx="393700" cy="155025"/>
+          </a:xfrm>
+          <a:prstGeom prst="rect">
+            <a:avLst/>
+          </a:prstGeom>
+          <a:noFill/>
+        </p:spPr>
+        <p:txBody>
+          <a:bodyPr vert="horz" wrap="square" lIns="0" tIns="0" rIns="0" bIns="0" rtlCol="0" anchor="ctr" anchorCtr="0">
+            <a:spAutoFit/>
+          </a:bodyPr>
+          <a:lstStyle/>
+          <a:p>
+            <a:pPr algn="ctr"/>
+            <a:r>
+              <a:rPr lang="en-US" sz="1000" spc="-8" smtClean="0">
+                <a:solidFill>
+                  <a:schemeClr val="dk2"/>
+                </a:solidFill>
+                <a:latin typeface="Calibri" panose="020F0502020204030204" pitchFamily="34" charset="0"/>
+              </a:rPr>
+              <a:t>May 24</a:t>
+            </a:r>
+            <a:endParaRPr lang="en-US" sz="1000" spc="-8">
+              <a:solidFill>
+                <a:schemeClr val="dk2"/>
+              </a:solidFill>
+              <a:latin typeface="Calibri" panose="020F0502020204030204" pitchFamily="34" charset="0"/>
+            </a:endParaRPr>
+          </a:p>
+        </p:txBody>
+      </p:sp>
+      <p:sp>
+        <p:nvSpPr>
+          <p:cNvPr id="65" name="OTLSHAPE_SLT_68116b8458bc4f0baf8d62c8eac08aac_Title"/>
+          <p:cNvSpPr txBox="1"/>
+          <p:nvPr>
+            <p:custDataLst>
+              <p:tags r:id="rId84"/>
+            </p:custDataLst>
+          </p:nvPr>
+        </p:nvSpPr>
+        <p:spPr>
+          <a:xfrm>
+            <a:off x="4232715" y="4799796"/>
+            <a:ext cx="469900" cy="170519"/>
+          </a:xfrm>
+          <a:prstGeom prst="rect">
+            <a:avLst/>
+          </a:prstGeom>
+          <a:noFill/>
+        </p:spPr>
+        <p:txBody>
+          <a:bodyPr vert="horz" wrap="square" lIns="0" tIns="0" rIns="0" bIns="0" rtlCol="0" anchor="ctr" anchorCtr="0">
+            <a:spAutoFit/>
+          </a:bodyPr>
+          <a:lstStyle/>
+          <a:p>
+            <a:pPr algn="ctr"/>
+            <a:r>
+              <a:rPr lang="en-US" sz="1100" b="1" spc="-6" smtClean="0">
+                <a:solidFill>
+                  <a:schemeClr val="dk1"/>
+                </a:solidFill>
+                <a:latin typeface="Calibri" panose="020F0502020204030204" pitchFamily="34" charset="0"/>
+              </a:rPr>
+              <a:t>Add Car</a:t>
+            </a:r>
+            <a:endParaRPr lang="en-US" sz="1100" b="1" spc="-6">
+              <a:solidFill>
+                <a:schemeClr val="dk1"/>
+              </a:solidFill>
+              <a:latin typeface="Calibri" panose="020F0502020204030204" pitchFamily="34" charset="0"/>
+            </a:endParaRPr>
+          </a:p>
+        </p:txBody>
+      </p:sp>
+      <p:sp>
+        <p:nvSpPr>
+          <p:cNvPr id="68" name="OTLSHAPE_SLT_6cba920a834746399d875799a6ede7c6_Duration" hidden="1"/>
+          <p:cNvSpPr txBox="1"/>
+          <p:nvPr>
+            <p:custDataLst>
+              <p:tags r:id="rId85"/>
+            </p:custDataLst>
+          </p:nvPr>
+        </p:nvSpPr>
+        <p:spPr>
+          <a:xfrm>
+            <a:off x="12700" y="-233521"/>
+            <a:ext cx="330200" cy="165100"/>
+          </a:xfrm>
+          <a:prstGeom prst="rect">
+            <a:avLst/>
+          </a:prstGeom>
+          <a:noFill/>
+        </p:spPr>
+        <p:txBody>
+          <a:bodyPr vert="horz" wrap="square" lIns="0" tIns="0" rIns="0" bIns="0" rtlCol="0" anchor="ctr" anchorCtr="0">
+            <a:spAutoFit/>
+          </a:bodyPr>
+          <a:lstStyle/>
+          <a:p>
+            <a:r>
+              <a:rPr lang="en-US" sz="1000" smtClean="0">
+                <a:solidFill>
+                  <a:schemeClr val="accent2"/>
+                </a:solidFill>
+                <a:latin typeface="Calibri" panose="020F0502020204030204" pitchFamily="34" charset="0"/>
+              </a:rPr>
+              <a:t>2 days</a:t>
+            </a:r>
+            <a:endParaRPr lang="en-US" sz="1000">
+              <a:solidFill>
+                <a:schemeClr val="accent2"/>
+              </a:solidFill>
+              <a:latin typeface="Calibri" panose="020F0502020204030204" pitchFamily="34" charset="0"/>
+            </a:endParaRPr>
+          </a:p>
+        </p:txBody>
+      </p:sp>
+      <p:sp>
+        <p:nvSpPr>
+          <p:cNvPr id="69" name="OTLSHAPE_SLT_6cba920a834746399d875799a6ede7c6_TextPercentage" hidden="1"/>
+          <p:cNvSpPr txBox="1"/>
+          <p:nvPr>
+            <p:custDataLst>
+              <p:tags r:id="rId86"/>
+            </p:custDataLst>
+          </p:nvPr>
+        </p:nvSpPr>
+        <p:spPr>
+          <a:xfrm>
+            <a:off x="12700" y="74255"/>
+            <a:ext cx="0" cy="0"/>
+          </a:xfrm>
+          <a:prstGeom prst="rect">
+            <a:avLst/>
+          </a:prstGeom>
+          <a:noFill/>
+        </p:spPr>
+        <p:txBody>
+          <a:bodyPr vert="horz" wrap="square" lIns="0" tIns="0" rIns="0" bIns="0" rtlCol="0" anchor="ctr" anchorCtr="0">
+            <a:spAutoFit/>
+          </a:bodyPr>
+          <a:lstStyle/>
+          <a:p>
+            <a:endParaRPr lang="en-US" sz="1000">
+              <a:solidFill>
+                <a:schemeClr val="accent2"/>
+              </a:solidFill>
+              <a:latin typeface="Calibri" panose="020F0502020204030204" pitchFamily="34" charset="0"/>
+            </a:endParaRPr>
+          </a:p>
+        </p:txBody>
+      </p:sp>
+      <p:sp>
+        <p:nvSpPr>
+          <p:cNvPr id="70" name="OTLSHAPE_SLT_6cba920a834746399d875799a6ede7c6_JoinedDate" hidden="1"/>
+          <p:cNvSpPr txBox="1"/>
+          <p:nvPr>
+            <p:custDataLst>
+              <p:tags r:id="rId87"/>
+            </p:custDataLst>
+          </p:nvPr>
+        </p:nvSpPr>
+        <p:spPr>
+          <a:xfrm>
+            <a:off x="12700" y="74255"/>
+            <a:ext cx="0" cy="0"/>
+          </a:xfrm>
+          <a:prstGeom prst="rect">
+            <a:avLst/>
+          </a:prstGeom>
+          <a:noFill/>
+        </p:spPr>
+        <p:txBody>
+          <a:bodyPr vert="horz" wrap="square" lIns="0" tIns="0" rIns="0" bIns="0" rtlCol="0" anchor="ctr" anchorCtr="0">
+            <a:spAutoFit/>
+          </a:bodyPr>
+          <a:lstStyle/>
+          <a:p>
+            <a:pPr algn="ctr"/>
+            <a:endParaRPr lang="en-US" sz="1000">
+              <a:solidFill>
+                <a:schemeClr val="dk2"/>
+              </a:solidFill>
+              <a:latin typeface="Calibri" panose="020F0502020204030204" pitchFamily="34" charset="0"/>
+            </a:endParaRPr>
+          </a:p>
+        </p:txBody>
+      </p:sp>
+      <p:sp>
+        <p:nvSpPr>
+          <p:cNvPr id="71" name="OTLSHAPE_SLT_6cba920a834746399d875799a6ede7c6_StartDate"/>
+          <p:cNvSpPr txBox="1"/>
+          <p:nvPr>
+            <p:custDataLst>
+              <p:tags r:id="rId88"/>
+            </p:custDataLst>
+          </p:nvPr>
+        </p:nvSpPr>
+        <p:spPr>
+          <a:xfrm>
+            <a:off x="1789684" y="5074243"/>
+            <a:ext cx="393700" cy="155025"/>
+          </a:xfrm>
+          <a:prstGeom prst="rect">
+            <a:avLst/>
+          </a:prstGeom>
+          <a:noFill/>
+        </p:spPr>
+        <p:txBody>
+          <a:bodyPr vert="horz" wrap="square" lIns="0" tIns="0" rIns="0" bIns="0" rtlCol="0" anchor="ctr" anchorCtr="0">
+            <a:spAutoFit/>
+          </a:bodyPr>
+          <a:lstStyle/>
+          <a:p>
+            <a:pPr algn="ctr"/>
+            <a:r>
+              <a:rPr lang="en-US" sz="1000" spc="-8" smtClean="0">
+                <a:solidFill>
+                  <a:schemeClr val="dk2"/>
+                </a:solidFill>
+                <a:latin typeface="Calibri" panose="020F0502020204030204" pitchFamily="34" charset="0"/>
+              </a:rPr>
+              <a:t>May 21</a:t>
+            </a:r>
+            <a:endParaRPr lang="en-US" sz="1000" spc="-8">
+              <a:solidFill>
+                <a:schemeClr val="dk2"/>
+              </a:solidFill>
+              <a:latin typeface="Calibri" panose="020F0502020204030204" pitchFamily="34" charset="0"/>
+            </a:endParaRPr>
+          </a:p>
+        </p:txBody>
+      </p:sp>
+      <p:sp>
+        <p:nvSpPr>
+          <p:cNvPr id="72" name="OTLSHAPE_SLT_6cba920a834746399d875799a6ede7c6_EndDate"/>
+          <p:cNvSpPr txBox="1"/>
+          <p:nvPr>
+            <p:custDataLst>
+              <p:tags r:id="rId89"/>
+            </p:custDataLst>
+          </p:nvPr>
+        </p:nvSpPr>
+        <p:spPr>
+          <a:xfrm>
+            <a:off x="6752496" y="5074243"/>
+            <a:ext cx="393700" cy="155025"/>
+          </a:xfrm>
+          <a:prstGeom prst="rect">
+            <a:avLst/>
+          </a:prstGeom>
+          <a:noFill/>
+        </p:spPr>
+        <p:txBody>
+          <a:bodyPr vert="horz" wrap="square" lIns="0" tIns="0" rIns="0" bIns="0" rtlCol="0" anchor="ctr" anchorCtr="0">
+            <a:spAutoFit/>
+          </a:bodyPr>
+          <a:lstStyle/>
+          <a:p>
+            <a:pPr algn="ctr"/>
+            <a:r>
+              <a:rPr lang="en-US" sz="1000" spc="-8" smtClean="0">
+                <a:solidFill>
+                  <a:schemeClr val="dk2"/>
+                </a:solidFill>
+                <a:latin typeface="Calibri" panose="020F0502020204030204" pitchFamily="34" charset="0"/>
+              </a:rPr>
+              <a:t>May 24</a:t>
+            </a:r>
+            <a:endParaRPr lang="en-US" sz="1000" spc="-8">
+              <a:solidFill>
+                <a:schemeClr val="dk2"/>
+              </a:solidFill>
+              <a:latin typeface="Calibri" panose="020F0502020204030204" pitchFamily="34" charset="0"/>
+            </a:endParaRPr>
+          </a:p>
+        </p:txBody>
+      </p:sp>
+      <p:sp>
+        <p:nvSpPr>
+          <p:cNvPr id="75" name="OTLSHAPE_SLT_6cba920a834746399d875799a6ede7c6_Title"/>
+          <p:cNvSpPr txBox="1"/>
+          <p:nvPr>
+            <p:custDataLst>
+              <p:tags r:id="rId90"/>
+            </p:custDataLst>
+          </p:nvPr>
+        </p:nvSpPr>
+        <p:spPr>
+          <a:xfrm>
+            <a:off x="3985679" y="5066496"/>
+            <a:ext cx="965200" cy="170519"/>
+          </a:xfrm>
+          <a:prstGeom prst="rect">
+            <a:avLst/>
+          </a:prstGeom>
+          <a:noFill/>
+        </p:spPr>
+        <p:txBody>
+          <a:bodyPr vert="horz" wrap="square" lIns="0" tIns="0" rIns="0" bIns="0" rtlCol="0" anchor="ctr" anchorCtr="0">
+            <a:spAutoFit/>
+          </a:bodyPr>
+          <a:lstStyle/>
+          <a:p>
+            <a:pPr algn="ctr"/>
+            <a:r>
+              <a:rPr lang="en-US" sz="1100" b="1" spc="-6" smtClean="0">
+                <a:solidFill>
+                  <a:schemeClr val="dk1"/>
+                </a:solidFill>
+                <a:latin typeface="Calibri" panose="020F0502020204030204" pitchFamily="34" charset="0"/>
+              </a:rPr>
+              <a:t>User Home Page</a:t>
+            </a:r>
+            <a:endParaRPr lang="en-US" sz="1100" b="1" spc="-6">
+              <a:solidFill>
+                <a:schemeClr val="dk1"/>
+              </a:solidFill>
+              <a:latin typeface="Calibri" panose="020F0502020204030204" pitchFamily="34" charset="0"/>
+            </a:endParaRPr>
+          </a:p>
+        </p:txBody>
+      </p:sp>
+      <p:sp>
+        <p:nvSpPr>
+          <p:cNvPr id="78" name="OTLSHAPE_SLT_860161ded4254208977211eb0a47f35c_Duration" hidden="1"/>
+          <p:cNvSpPr txBox="1"/>
+          <p:nvPr>
+            <p:custDataLst>
+              <p:tags r:id="rId91"/>
+            </p:custDataLst>
+          </p:nvPr>
+        </p:nvSpPr>
+        <p:spPr>
+          <a:xfrm>
+            <a:off x="12700" y="-233521"/>
+            <a:ext cx="330200" cy="165100"/>
+          </a:xfrm>
+          <a:prstGeom prst="rect">
+            <a:avLst/>
+          </a:prstGeom>
+          <a:noFill/>
+        </p:spPr>
+        <p:txBody>
+          <a:bodyPr vert="horz" wrap="square" lIns="0" tIns="0" rIns="0" bIns="0" rtlCol="0" anchor="ctr" anchorCtr="0">
+            <a:spAutoFit/>
+          </a:bodyPr>
+          <a:lstStyle/>
+          <a:p>
+            <a:r>
+              <a:rPr lang="en-US" sz="1000" smtClean="0">
+                <a:solidFill>
+                  <a:schemeClr val="accent2"/>
+                </a:solidFill>
+                <a:latin typeface="Calibri" panose="020F0502020204030204" pitchFamily="34" charset="0"/>
+              </a:rPr>
+              <a:t>2 days</a:t>
+            </a:r>
+            <a:endParaRPr lang="en-US" sz="1000">
+              <a:solidFill>
+                <a:schemeClr val="accent2"/>
+              </a:solidFill>
+              <a:latin typeface="Calibri" panose="020F0502020204030204" pitchFamily="34" charset="0"/>
+            </a:endParaRPr>
+          </a:p>
+        </p:txBody>
+      </p:sp>
+      <p:sp>
+        <p:nvSpPr>
+          <p:cNvPr id="79" name="OTLSHAPE_SLT_860161ded4254208977211eb0a47f35c_TextPercentage" hidden="1"/>
+          <p:cNvSpPr txBox="1"/>
+          <p:nvPr>
+            <p:custDataLst>
+              <p:tags r:id="rId92"/>
+            </p:custDataLst>
+          </p:nvPr>
+        </p:nvSpPr>
+        <p:spPr>
+          <a:xfrm>
+            <a:off x="12700" y="74255"/>
+            <a:ext cx="0" cy="0"/>
+          </a:xfrm>
+          <a:prstGeom prst="rect">
+            <a:avLst/>
+          </a:prstGeom>
+          <a:noFill/>
+        </p:spPr>
+        <p:txBody>
+          <a:bodyPr vert="horz" wrap="square" lIns="0" tIns="0" rIns="0" bIns="0" rtlCol="0" anchor="ctr" anchorCtr="0">
+            <a:spAutoFit/>
+          </a:bodyPr>
+          <a:lstStyle/>
+          <a:p>
+            <a:endParaRPr lang="en-US" sz="1000">
+              <a:solidFill>
+                <a:schemeClr val="accent2"/>
+              </a:solidFill>
+              <a:latin typeface="Calibri" panose="020F0502020204030204" pitchFamily="34" charset="0"/>
+            </a:endParaRPr>
+          </a:p>
+        </p:txBody>
+      </p:sp>
+      <p:sp>
+        <p:nvSpPr>
+          <p:cNvPr id="80" name="OTLSHAPE_SLT_860161ded4254208977211eb0a47f35c_JoinedDate" hidden="1"/>
+          <p:cNvSpPr txBox="1"/>
+          <p:nvPr>
+            <p:custDataLst>
+              <p:tags r:id="rId93"/>
+            </p:custDataLst>
+          </p:nvPr>
+        </p:nvSpPr>
+        <p:spPr>
+          <a:xfrm>
+            <a:off x="12700" y="74255"/>
+            <a:ext cx="0" cy="0"/>
+          </a:xfrm>
+          <a:prstGeom prst="rect">
+            <a:avLst/>
+          </a:prstGeom>
+          <a:noFill/>
+        </p:spPr>
+        <p:txBody>
+          <a:bodyPr vert="horz" wrap="square" lIns="0" tIns="0" rIns="0" bIns="0" rtlCol="0" anchor="ctr" anchorCtr="0">
+            <a:spAutoFit/>
+          </a:bodyPr>
+          <a:lstStyle/>
+          <a:p>
+            <a:pPr algn="ctr"/>
+            <a:endParaRPr lang="en-US" sz="1000">
+              <a:solidFill>
+                <a:schemeClr val="dk2"/>
+              </a:solidFill>
+              <a:latin typeface="Calibri" panose="020F0502020204030204" pitchFamily="34" charset="0"/>
+            </a:endParaRPr>
+          </a:p>
+        </p:txBody>
+      </p:sp>
+      <p:sp>
+        <p:nvSpPr>
+          <p:cNvPr id="81" name="OTLSHAPE_SLT_860161ded4254208977211eb0a47f35c_StartDate"/>
+          <p:cNvSpPr txBox="1"/>
+          <p:nvPr>
+            <p:custDataLst>
+              <p:tags r:id="rId94"/>
+            </p:custDataLst>
+          </p:nvPr>
+        </p:nvSpPr>
+        <p:spPr>
+          <a:xfrm>
+            <a:off x="1789684" y="5340943"/>
+            <a:ext cx="393700" cy="155025"/>
+          </a:xfrm>
+          <a:prstGeom prst="rect">
+            <a:avLst/>
+          </a:prstGeom>
+          <a:noFill/>
+        </p:spPr>
+        <p:txBody>
+          <a:bodyPr vert="horz" wrap="square" lIns="0" tIns="0" rIns="0" bIns="0" rtlCol="0" anchor="ctr" anchorCtr="0">
+            <a:spAutoFit/>
+          </a:bodyPr>
+          <a:lstStyle/>
+          <a:p>
+            <a:pPr algn="ctr"/>
+            <a:r>
+              <a:rPr lang="en-US" sz="1000" spc="-8" smtClean="0">
+                <a:solidFill>
+                  <a:schemeClr val="dk2"/>
+                </a:solidFill>
+                <a:latin typeface="Calibri" panose="020F0502020204030204" pitchFamily="34" charset="0"/>
+              </a:rPr>
+              <a:t>May 21</a:t>
+            </a:r>
+            <a:endParaRPr lang="en-US" sz="1000" spc="-8">
+              <a:solidFill>
+                <a:schemeClr val="dk2"/>
+              </a:solidFill>
+              <a:latin typeface="Calibri" panose="020F0502020204030204" pitchFamily="34" charset="0"/>
+            </a:endParaRPr>
+          </a:p>
+        </p:txBody>
+      </p:sp>
+      <p:sp>
+        <p:nvSpPr>
+          <p:cNvPr id="82" name="OTLSHAPE_SLT_860161ded4254208977211eb0a47f35c_EndDate"/>
+          <p:cNvSpPr txBox="1"/>
+          <p:nvPr>
+            <p:custDataLst>
+              <p:tags r:id="rId95"/>
+            </p:custDataLst>
+          </p:nvPr>
+        </p:nvSpPr>
+        <p:spPr>
+          <a:xfrm>
+            <a:off x="6752496" y="5340943"/>
+            <a:ext cx="393700" cy="155025"/>
+          </a:xfrm>
+          <a:prstGeom prst="rect">
+            <a:avLst/>
+          </a:prstGeom>
+          <a:noFill/>
+        </p:spPr>
+        <p:txBody>
+          <a:bodyPr vert="horz" wrap="square" lIns="0" tIns="0" rIns="0" bIns="0" rtlCol="0" anchor="ctr" anchorCtr="0">
+            <a:spAutoFit/>
+          </a:bodyPr>
+          <a:lstStyle/>
+          <a:p>
+            <a:pPr algn="ctr"/>
+            <a:r>
+              <a:rPr lang="en-US" sz="1000" spc="-8" smtClean="0">
+                <a:solidFill>
+                  <a:schemeClr val="dk2"/>
+                </a:solidFill>
+                <a:latin typeface="Calibri" panose="020F0502020204030204" pitchFamily="34" charset="0"/>
+              </a:rPr>
+              <a:t>May 24</a:t>
+            </a:r>
+            <a:endParaRPr lang="en-US" sz="1000" spc="-8">
+              <a:solidFill>
+                <a:schemeClr val="dk2"/>
+              </a:solidFill>
+              <a:latin typeface="Calibri" panose="020F0502020204030204" pitchFamily="34" charset="0"/>
+            </a:endParaRPr>
+          </a:p>
+        </p:txBody>
+      </p:sp>
+      <p:sp>
+        <p:nvSpPr>
+          <p:cNvPr id="83" name="OTLSHAPE_SLT_860161ded4254208977211eb0a47f35c_Title"/>
+          <p:cNvSpPr txBox="1"/>
+          <p:nvPr>
+            <p:custDataLst>
+              <p:tags r:id="rId96"/>
+            </p:custDataLst>
+          </p:nvPr>
+        </p:nvSpPr>
+        <p:spPr>
+          <a:xfrm>
+            <a:off x="3927851" y="5333196"/>
+            <a:ext cx="1079500" cy="170519"/>
+          </a:xfrm>
+          <a:prstGeom prst="rect">
+            <a:avLst/>
+          </a:prstGeom>
+          <a:noFill/>
+        </p:spPr>
+        <p:txBody>
+          <a:bodyPr vert="horz" wrap="square" lIns="0" tIns="0" rIns="0" bIns="0" rtlCol="0" anchor="ctr" anchorCtr="0">
+            <a:spAutoFit/>
+          </a:bodyPr>
+          <a:lstStyle/>
+          <a:p>
+            <a:pPr algn="ctr"/>
+            <a:r>
+              <a:rPr lang="en-US" sz="1100" b="1" spc="-6" smtClean="0">
+                <a:solidFill>
+                  <a:schemeClr val="dk1"/>
+                </a:solidFill>
+                <a:latin typeface="Calibri" panose="020F0502020204030204" pitchFamily="34" charset="0"/>
+              </a:rPr>
+              <a:t>Admin Home Page</a:t>
+            </a:r>
+            <a:endParaRPr lang="en-US" sz="1100" b="1" spc="-6">
+              <a:solidFill>
+                <a:schemeClr val="dk1"/>
+              </a:solidFill>
+              <a:latin typeface="Calibri" panose="020F0502020204030204" pitchFamily="34" charset="0"/>
+            </a:endParaRPr>
+          </a:p>
+        </p:txBody>
+      </p:sp>
+      <p:sp>
+        <p:nvSpPr>
+          <p:cNvPr id="87" name="OTLSHAPE_SLT_b90f8fa637ab4fd7a588b41288848725_Duration" hidden="1"/>
+          <p:cNvSpPr txBox="1"/>
+          <p:nvPr>
+            <p:custDataLst>
+              <p:tags r:id="rId97"/>
+            </p:custDataLst>
+          </p:nvPr>
+        </p:nvSpPr>
+        <p:spPr>
+          <a:xfrm>
+            <a:off x="12700" y="-233521"/>
+            <a:ext cx="330200" cy="165100"/>
+          </a:xfrm>
+          <a:prstGeom prst="rect">
+            <a:avLst/>
+          </a:prstGeom>
+          <a:noFill/>
+        </p:spPr>
+        <p:txBody>
+          <a:bodyPr vert="horz" wrap="square" lIns="0" tIns="0" rIns="0" bIns="0" rtlCol="0" anchor="ctr" anchorCtr="0">
+            <a:spAutoFit/>
+          </a:bodyPr>
+          <a:lstStyle/>
+          <a:p>
+            <a:r>
+              <a:rPr lang="en-US" sz="1000" smtClean="0">
+                <a:solidFill>
+                  <a:schemeClr val="accent2"/>
+                </a:solidFill>
+                <a:latin typeface="Calibri" panose="020F0502020204030204" pitchFamily="34" charset="0"/>
+              </a:rPr>
+              <a:t>4 days</a:t>
+            </a:r>
+            <a:endParaRPr lang="en-US" sz="1000">
+              <a:solidFill>
+                <a:schemeClr val="accent2"/>
+              </a:solidFill>
+              <a:latin typeface="Calibri" panose="020F0502020204030204" pitchFamily="34" charset="0"/>
+            </a:endParaRPr>
+          </a:p>
+        </p:txBody>
+      </p:sp>
+      <p:sp>
+        <p:nvSpPr>
+          <p:cNvPr id="88" name="OTLSHAPE_SLT_b90f8fa637ab4fd7a588b41288848725_TextPercentage" hidden="1"/>
+          <p:cNvSpPr txBox="1"/>
+          <p:nvPr>
+            <p:custDataLst>
+              <p:tags r:id="rId98"/>
+            </p:custDataLst>
+          </p:nvPr>
+        </p:nvSpPr>
+        <p:spPr>
+          <a:xfrm>
+            <a:off x="12700" y="74255"/>
+            <a:ext cx="0" cy="0"/>
+          </a:xfrm>
+          <a:prstGeom prst="rect">
+            <a:avLst/>
+          </a:prstGeom>
+          <a:noFill/>
+        </p:spPr>
+        <p:txBody>
+          <a:bodyPr vert="horz" wrap="square" lIns="0" tIns="0" rIns="0" bIns="0" rtlCol="0" anchor="ctr" anchorCtr="0">
+            <a:spAutoFit/>
+          </a:bodyPr>
+          <a:lstStyle/>
+          <a:p>
+            <a:endParaRPr lang="en-US" sz="1000">
+              <a:solidFill>
+                <a:schemeClr val="accent2"/>
+              </a:solidFill>
+              <a:latin typeface="Calibri" panose="020F0502020204030204" pitchFamily="34" charset="0"/>
+            </a:endParaRPr>
+          </a:p>
+        </p:txBody>
+      </p:sp>
+      <p:sp>
+        <p:nvSpPr>
+          <p:cNvPr id="89" name="OTLSHAPE_SLT_b90f8fa637ab4fd7a588b41288848725_JoinedDate" hidden="1"/>
+          <p:cNvSpPr txBox="1"/>
+          <p:nvPr>
+            <p:custDataLst>
+              <p:tags r:id="rId99"/>
+            </p:custDataLst>
+          </p:nvPr>
+        </p:nvSpPr>
+        <p:spPr>
+          <a:xfrm>
+            <a:off x="12700" y="74255"/>
+            <a:ext cx="0" cy="0"/>
+          </a:xfrm>
+          <a:prstGeom prst="rect">
+            <a:avLst/>
+          </a:prstGeom>
+          <a:noFill/>
+        </p:spPr>
+        <p:txBody>
+          <a:bodyPr vert="horz" wrap="square" lIns="0" tIns="0" rIns="0" bIns="0" rtlCol="0" anchor="ctr" anchorCtr="0">
+            <a:spAutoFit/>
+          </a:bodyPr>
+          <a:lstStyle/>
+          <a:p>
+            <a:pPr algn="ctr"/>
+            <a:endParaRPr lang="en-US" sz="1000">
+              <a:solidFill>
+                <a:schemeClr val="dk2"/>
+              </a:solidFill>
+              <a:latin typeface="Calibri" panose="020F0502020204030204" pitchFamily="34" charset="0"/>
+            </a:endParaRPr>
+          </a:p>
+        </p:txBody>
+      </p:sp>
+      <p:sp>
+        <p:nvSpPr>
+          <p:cNvPr id="90" name="OTLSHAPE_SLT_b90f8fa637ab4fd7a588b41288848725_StartDate"/>
+          <p:cNvSpPr txBox="1"/>
+          <p:nvPr>
+            <p:custDataLst>
+              <p:tags r:id="rId100"/>
+            </p:custDataLst>
+          </p:nvPr>
+        </p:nvSpPr>
+        <p:spPr>
+          <a:xfrm>
+            <a:off x="5149664" y="5683843"/>
+            <a:ext cx="393700" cy="155025"/>
+          </a:xfrm>
+          <a:prstGeom prst="rect">
+            <a:avLst/>
+          </a:prstGeom>
+          <a:noFill/>
+        </p:spPr>
+        <p:txBody>
+          <a:bodyPr vert="horz" wrap="square" lIns="0" tIns="0" rIns="0" bIns="0" rtlCol="0" anchor="ctr" anchorCtr="0">
+            <a:spAutoFit/>
+          </a:bodyPr>
+          <a:lstStyle/>
+          <a:p>
+            <a:pPr algn="ctr"/>
+            <a:r>
+              <a:rPr lang="en-US" sz="1000" spc="-8" smtClean="0">
+                <a:solidFill>
+                  <a:schemeClr val="dk2"/>
+                </a:solidFill>
+                <a:latin typeface="Calibri" panose="020F0502020204030204" pitchFamily="34" charset="0"/>
+              </a:rPr>
+              <a:t>May 24</a:t>
+            </a:r>
+            <a:endParaRPr lang="en-US" sz="1000" spc="-8">
+              <a:solidFill>
+                <a:schemeClr val="dk2"/>
+              </a:solidFill>
+              <a:latin typeface="Calibri" panose="020F0502020204030204" pitchFamily="34" charset="0"/>
+            </a:endParaRPr>
+          </a:p>
+        </p:txBody>
+      </p:sp>
+      <p:sp>
+        <p:nvSpPr>
+          <p:cNvPr id="96" name="OTLSHAPE_SLT_b90f8fa637ab4fd7a588b41288848725_EndDate"/>
+          <p:cNvSpPr txBox="1"/>
+          <p:nvPr>
+            <p:custDataLst>
+              <p:tags r:id="rId101"/>
+            </p:custDataLst>
+          </p:nvPr>
+        </p:nvSpPr>
+        <p:spPr>
+          <a:xfrm>
+            <a:off x="10112477" y="5683843"/>
+            <a:ext cx="393700" cy="155025"/>
+          </a:xfrm>
+          <a:prstGeom prst="rect">
+            <a:avLst/>
+          </a:prstGeom>
+          <a:noFill/>
+        </p:spPr>
+        <p:txBody>
+          <a:bodyPr vert="horz" wrap="square" lIns="0" tIns="0" rIns="0" bIns="0" rtlCol="0" anchor="ctr" anchorCtr="0">
+            <a:spAutoFit/>
+          </a:bodyPr>
+          <a:lstStyle/>
+          <a:p>
+            <a:pPr algn="ctr"/>
+            <a:r>
+              <a:rPr lang="en-US" sz="1000" spc="-8" smtClean="0">
+                <a:solidFill>
+                  <a:schemeClr val="dk2"/>
+                </a:solidFill>
+                <a:latin typeface="Calibri" panose="020F0502020204030204" pitchFamily="34" charset="0"/>
+              </a:rPr>
+              <a:t>May 27</a:t>
+            </a:r>
+            <a:endParaRPr lang="en-US" sz="1000" spc="-8">
+              <a:solidFill>
+                <a:schemeClr val="dk2"/>
+              </a:solidFill>
+              <a:latin typeface="Calibri" panose="020F0502020204030204" pitchFamily="34" charset="0"/>
+            </a:endParaRPr>
+          </a:p>
+        </p:txBody>
+      </p:sp>
+      <p:sp>
+        <p:nvSpPr>
+          <p:cNvPr id="97" name="OTLSHAPE_SLT_b90f8fa637ab4fd7a588b41288848725_Title"/>
+          <p:cNvSpPr txBox="1"/>
+          <p:nvPr>
+            <p:custDataLst>
+              <p:tags r:id="rId102"/>
+            </p:custDataLst>
+          </p:nvPr>
+        </p:nvSpPr>
+        <p:spPr>
+          <a:xfrm>
+            <a:off x="7300384" y="5676096"/>
+            <a:ext cx="1054100" cy="170519"/>
+          </a:xfrm>
+          <a:prstGeom prst="rect">
+            <a:avLst/>
+          </a:prstGeom>
+          <a:noFill/>
+        </p:spPr>
+        <p:txBody>
+          <a:bodyPr vert="horz" wrap="square" lIns="0" tIns="0" rIns="0" bIns="0" rtlCol="0" anchor="ctr" anchorCtr="0">
+            <a:spAutoFit/>
+          </a:bodyPr>
+          <a:lstStyle/>
+          <a:p>
+            <a:pPr algn="ctr"/>
+            <a:r>
+              <a:rPr lang="en-US" sz="1100" b="1" spc="-6" smtClean="0">
+                <a:solidFill>
+                  <a:schemeClr val="dk1"/>
+                </a:solidFill>
+                <a:latin typeface="Calibri" panose="020F0502020204030204" pitchFamily="34" charset="0"/>
+              </a:rPr>
+              <a:t>PMP Modification</a:t>
+            </a:r>
+            <a:endParaRPr lang="en-US" sz="1100" b="1" spc="-6">
+              <a:solidFill>
+                <a:schemeClr val="dk1"/>
+              </a:solidFill>
+              <a:latin typeface="Calibri" panose="020F0502020204030204" pitchFamily="34" charset="0"/>
+            </a:endParaRPr>
+          </a:p>
+        </p:txBody>
+      </p:sp>
+      <p:sp>
+        <p:nvSpPr>
+          <p:cNvPr id="105" name="OTLSHAPE_SLT_5b7472024b544d7db6e4d70de2a2ee52_Duration" hidden="1"/>
+          <p:cNvSpPr txBox="1"/>
+          <p:nvPr>
+            <p:custDataLst>
+              <p:tags r:id="rId103"/>
+            </p:custDataLst>
+          </p:nvPr>
+        </p:nvSpPr>
+        <p:spPr>
+          <a:xfrm>
+            <a:off x="12700" y="-233521"/>
+            <a:ext cx="330200" cy="165100"/>
+          </a:xfrm>
+          <a:prstGeom prst="rect">
+            <a:avLst/>
+          </a:prstGeom>
+          <a:noFill/>
+        </p:spPr>
+        <p:txBody>
+          <a:bodyPr vert="horz" wrap="square" lIns="0" tIns="0" rIns="0" bIns="0" rtlCol="0" anchor="ctr" anchorCtr="0">
+            <a:spAutoFit/>
+          </a:bodyPr>
+          <a:lstStyle/>
+          <a:p>
+            <a:r>
+              <a:rPr lang="en-US" sz="1000" smtClean="0">
+                <a:solidFill>
+                  <a:schemeClr val="accent2"/>
+                </a:solidFill>
+                <a:latin typeface="Calibri" panose="020F0502020204030204" pitchFamily="34" charset="0"/>
+              </a:rPr>
+              <a:t>2 days</a:t>
+            </a:r>
+            <a:endParaRPr lang="en-US" sz="1000">
+              <a:solidFill>
+                <a:schemeClr val="accent2"/>
+              </a:solidFill>
+              <a:latin typeface="Calibri" panose="020F0502020204030204" pitchFamily="34" charset="0"/>
+            </a:endParaRPr>
+          </a:p>
+        </p:txBody>
+      </p:sp>
+      <p:sp>
+        <p:nvSpPr>
+          <p:cNvPr id="108" name="OTLSHAPE_SLT_5b7472024b544d7db6e4d70de2a2ee52_TextPercentage" hidden="1"/>
+          <p:cNvSpPr txBox="1"/>
+          <p:nvPr>
+            <p:custDataLst>
+              <p:tags r:id="rId104"/>
+            </p:custDataLst>
+          </p:nvPr>
+        </p:nvSpPr>
+        <p:spPr>
+          <a:xfrm>
+            <a:off x="12700" y="74255"/>
+            <a:ext cx="0" cy="0"/>
+          </a:xfrm>
+          <a:prstGeom prst="rect">
+            <a:avLst/>
+          </a:prstGeom>
+          <a:noFill/>
+        </p:spPr>
+        <p:txBody>
+          <a:bodyPr vert="horz" wrap="square" lIns="0" tIns="0" rIns="0" bIns="0" rtlCol="0" anchor="ctr" anchorCtr="0">
+            <a:spAutoFit/>
+          </a:bodyPr>
+          <a:lstStyle/>
+          <a:p>
+            <a:endParaRPr lang="en-US" sz="1000">
+              <a:solidFill>
+                <a:schemeClr val="accent2"/>
+              </a:solidFill>
+              <a:latin typeface="Calibri" panose="020F0502020204030204" pitchFamily="34" charset="0"/>
+            </a:endParaRPr>
+          </a:p>
+        </p:txBody>
+      </p:sp>
+      <p:sp>
+        <p:nvSpPr>
+          <p:cNvPr id="121" name="OTLSHAPE_SLT_5b7472024b544d7db6e4d70de2a2ee52_JoinedDate" hidden="1"/>
+          <p:cNvSpPr txBox="1"/>
+          <p:nvPr>
+            <p:custDataLst>
+              <p:tags r:id="rId105"/>
+            </p:custDataLst>
+          </p:nvPr>
+        </p:nvSpPr>
+        <p:spPr>
+          <a:xfrm>
+            <a:off x="12700" y="74255"/>
+            <a:ext cx="0" cy="0"/>
+          </a:xfrm>
+          <a:prstGeom prst="rect">
+            <a:avLst/>
+          </a:prstGeom>
+          <a:noFill/>
+        </p:spPr>
+        <p:txBody>
+          <a:bodyPr vert="horz" wrap="square" lIns="0" tIns="0" rIns="0" bIns="0" rtlCol="0" anchor="ctr" anchorCtr="0">
+            <a:spAutoFit/>
+          </a:bodyPr>
+          <a:lstStyle/>
+          <a:p>
+            <a:pPr algn="ctr"/>
+            <a:endParaRPr lang="en-US" sz="1000">
+              <a:solidFill>
+                <a:schemeClr val="dk2"/>
+              </a:solidFill>
+              <a:latin typeface="Calibri" panose="020F0502020204030204" pitchFamily="34" charset="0"/>
+            </a:endParaRPr>
+          </a:p>
+        </p:txBody>
+      </p:sp>
+      <p:sp>
+        <p:nvSpPr>
+          <p:cNvPr id="122" name="OTLSHAPE_SLT_5b7472024b544d7db6e4d70de2a2ee52_StartDate"/>
+          <p:cNvSpPr txBox="1"/>
+          <p:nvPr>
+            <p:custDataLst>
+              <p:tags r:id="rId106"/>
+            </p:custDataLst>
+          </p:nvPr>
+        </p:nvSpPr>
+        <p:spPr>
+          <a:xfrm>
+            <a:off x="6269658" y="5950543"/>
+            <a:ext cx="393700" cy="155025"/>
+          </a:xfrm>
+          <a:prstGeom prst="rect">
+            <a:avLst/>
+          </a:prstGeom>
+          <a:noFill/>
+        </p:spPr>
+        <p:txBody>
+          <a:bodyPr vert="horz" wrap="square" lIns="0" tIns="0" rIns="0" bIns="0" rtlCol="0" anchor="ctr" anchorCtr="0">
+            <a:spAutoFit/>
+          </a:bodyPr>
+          <a:lstStyle/>
+          <a:p>
+            <a:pPr algn="ctr"/>
+            <a:r>
+              <a:rPr lang="en-US" sz="1000" spc="-8" smtClean="0">
+                <a:solidFill>
+                  <a:schemeClr val="dk2"/>
+                </a:solidFill>
+                <a:latin typeface="Calibri" panose="020F0502020204030204" pitchFamily="34" charset="0"/>
+              </a:rPr>
+              <a:t>May 25</a:t>
+            </a:r>
+            <a:endParaRPr lang="en-US" sz="1000" spc="-8">
+              <a:solidFill>
+                <a:schemeClr val="dk2"/>
+              </a:solidFill>
+              <a:latin typeface="Calibri" panose="020F0502020204030204" pitchFamily="34" charset="0"/>
+            </a:endParaRPr>
+          </a:p>
+        </p:txBody>
+      </p:sp>
+      <p:sp>
+        <p:nvSpPr>
+          <p:cNvPr id="123" name="OTLSHAPE_SLT_5b7472024b544d7db6e4d70de2a2ee52_EndDate"/>
+          <p:cNvSpPr txBox="1"/>
+          <p:nvPr>
+            <p:custDataLst>
+              <p:tags r:id="rId107"/>
+            </p:custDataLst>
+          </p:nvPr>
+        </p:nvSpPr>
+        <p:spPr>
+          <a:xfrm>
+            <a:off x="8992483" y="5950543"/>
+            <a:ext cx="393700" cy="155025"/>
+          </a:xfrm>
+          <a:prstGeom prst="rect">
+            <a:avLst/>
+          </a:prstGeom>
+          <a:noFill/>
+        </p:spPr>
+        <p:txBody>
+          <a:bodyPr vert="horz" wrap="square" lIns="0" tIns="0" rIns="0" bIns="0" rtlCol="0" anchor="ctr" anchorCtr="0">
+            <a:spAutoFit/>
+          </a:bodyPr>
+          <a:lstStyle/>
+          <a:p>
+            <a:pPr algn="ctr"/>
+            <a:r>
+              <a:rPr lang="en-US" sz="1000" spc="-8" smtClean="0">
+                <a:solidFill>
+                  <a:schemeClr val="dk2"/>
+                </a:solidFill>
+                <a:latin typeface="Calibri" panose="020F0502020204030204" pitchFamily="34" charset="0"/>
+              </a:rPr>
+              <a:t>May 26</a:t>
+            </a:r>
+            <a:endParaRPr lang="en-US" sz="1000" spc="-8">
+              <a:solidFill>
+                <a:schemeClr val="dk2"/>
+              </a:solidFill>
+              <a:latin typeface="Calibri" panose="020F0502020204030204" pitchFamily="34" charset="0"/>
+            </a:endParaRPr>
+          </a:p>
+        </p:txBody>
+      </p:sp>
+      <p:sp>
+        <p:nvSpPr>
+          <p:cNvPr id="124" name="OTLSHAPE_SLT_5b7472024b544d7db6e4d70de2a2ee52_Title"/>
+          <p:cNvSpPr txBox="1"/>
+          <p:nvPr>
+            <p:custDataLst>
+              <p:tags r:id="rId108"/>
+            </p:custDataLst>
+          </p:nvPr>
+        </p:nvSpPr>
+        <p:spPr>
+          <a:xfrm>
+            <a:off x="7137866" y="5942796"/>
+            <a:ext cx="1371600" cy="170519"/>
+          </a:xfrm>
+          <a:prstGeom prst="rect">
+            <a:avLst/>
+          </a:prstGeom>
+          <a:noFill/>
+        </p:spPr>
+        <p:txBody>
+          <a:bodyPr vert="horz" wrap="square" lIns="0" tIns="0" rIns="0" bIns="0" rtlCol="0" anchor="ctr" anchorCtr="0">
+            <a:spAutoFit/>
+          </a:bodyPr>
+          <a:lstStyle/>
+          <a:p>
+            <a:pPr algn="ctr"/>
+            <a:r>
+              <a:rPr lang="en-US" sz="1100" b="1" spc="-6" smtClean="0">
+                <a:solidFill>
+                  <a:schemeClr val="dk1"/>
+                </a:solidFill>
+                <a:latin typeface="Calibri" panose="020F0502020204030204" pitchFamily="34" charset="0"/>
+              </a:rPr>
+              <a:t>Scope Statment Update</a:t>
+            </a:r>
+            <a:endParaRPr lang="en-US" sz="1100" b="1" spc="-6">
+              <a:solidFill>
+                <a:schemeClr val="dk1"/>
+              </a:solidFill>
+              <a:latin typeface="Calibri" panose="020F0502020204030204" pitchFamily="34" charset="0"/>
+            </a:endParaRPr>
+          </a:p>
+        </p:txBody>
+      </p:sp>
+      <p:sp>
+        <p:nvSpPr>
+          <p:cNvPr id="127" name="OTLSHAPE_SLT_1a51abf13eca4ab091d186e291c2da06_Duration" hidden="1"/>
+          <p:cNvSpPr txBox="1"/>
+          <p:nvPr>
+            <p:custDataLst>
+              <p:tags r:id="rId109"/>
+            </p:custDataLst>
+          </p:nvPr>
+        </p:nvSpPr>
+        <p:spPr>
+          <a:xfrm>
+            <a:off x="12700" y="-233521"/>
+            <a:ext cx="330200" cy="165100"/>
+          </a:xfrm>
+          <a:prstGeom prst="rect">
+            <a:avLst/>
+          </a:prstGeom>
+          <a:noFill/>
+        </p:spPr>
+        <p:txBody>
+          <a:bodyPr vert="horz" wrap="square" lIns="0" tIns="0" rIns="0" bIns="0" rtlCol="0" anchor="ctr" anchorCtr="0">
+            <a:spAutoFit/>
+          </a:bodyPr>
+          <a:lstStyle/>
+          <a:p>
+            <a:r>
+              <a:rPr lang="en-US" sz="1000" smtClean="0">
+                <a:solidFill>
+                  <a:schemeClr val="accent2"/>
+                </a:solidFill>
+                <a:latin typeface="Calibri" panose="020F0502020204030204" pitchFamily="34" charset="0"/>
+              </a:rPr>
+              <a:t>3 days</a:t>
+            </a:r>
+            <a:endParaRPr lang="en-US" sz="1000">
+              <a:solidFill>
+                <a:schemeClr val="accent2"/>
+              </a:solidFill>
+              <a:latin typeface="Calibri" panose="020F0502020204030204" pitchFamily="34" charset="0"/>
+            </a:endParaRPr>
+          </a:p>
+        </p:txBody>
+      </p:sp>
+      <p:sp>
+        <p:nvSpPr>
+          <p:cNvPr id="128" name="OTLSHAPE_SLT_1a51abf13eca4ab091d186e291c2da06_TextPercentage" hidden="1"/>
+          <p:cNvSpPr txBox="1"/>
+          <p:nvPr>
+            <p:custDataLst>
+              <p:tags r:id="rId110"/>
+            </p:custDataLst>
+          </p:nvPr>
+        </p:nvSpPr>
+        <p:spPr>
+          <a:xfrm>
+            <a:off x="12700" y="74255"/>
+            <a:ext cx="0" cy="0"/>
+          </a:xfrm>
+          <a:prstGeom prst="rect">
+            <a:avLst/>
+          </a:prstGeom>
+          <a:noFill/>
+        </p:spPr>
+        <p:txBody>
+          <a:bodyPr vert="horz" wrap="square" lIns="0" tIns="0" rIns="0" bIns="0" rtlCol="0" anchor="ctr" anchorCtr="0">
+            <a:spAutoFit/>
+          </a:bodyPr>
+          <a:lstStyle/>
+          <a:p>
+            <a:endParaRPr lang="en-US" sz="1000">
+              <a:solidFill>
+                <a:schemeClr val="accent2"/>
+              </a:solidFill>
+              <a:latin typeface="Calibri" panose="020F0502020204030204" pitchFamily="34" charset="0"/>
+            </a:endParaRPr>
+          </a:p>
+        </p:txBody>
+      </p:sp>
+      <p:sp>
+        <p:nvSpPr>
+          <p:cNvPr id="132" name="OTLSHAPE_SLT_1a51abf13eca4ab091d186e291c2da06_JoinedDate" hidden="1"/>
+          <p:cNvSpPr txBox="1"/>
+          <p:nvPr>
+            <p:custDataLst>
+              <p:tags r:id="rId111"/>
+            </p:custDataLst>
+          </p:nvPr>
+        </p:nvSpPr>
+        <p:spPr>
+          <a:xfrm>
+            <a:off x="12700" y="74255"/>
+            <a:ext cx="0" cy="0"/>
+          </a:xfrm>
+          <a:prstGeom prst="rect">
+            <a:avLst/>
+          </a:prstGeom>
+          <a:noFill/>
+        </p:spPr>
+        <p:txBody>
+          <a:bodyPr vert="horz" wrap="square" lIns="0" tIns="0" rIns="0" bIns="0" rtlCol="0" anchor="ctr" anchorCtr="0">
+            <a:spAutoFit/>
+          </a:bodyPr>
+          <a:lstStyle/>
+          <a:p>
+            <a:pPr algn="ctr"/>
+            <a:endParaRPr lang="en-US" sz="1000">
+              <a:solidFill>
+                <a:schemeClr val="dk2"/>
+              </a:solidFill>
+              <a:latin typeface="Calibri" panose="020F0502020204030204" pitchFamily="34" charset="0"/>
+            </a:endParaRPr>
+          </a:p>
+        </p:txBody>
+      </p:sp>
+      <p:sp>
+        <p:nvSpPr>
+          <p:cNvPr id="133" name="OTLSHAPE_SLT_1a51abf13eca4ab091d186e291c2da06_StartDate"/>
+          <p:cNvSpPr txBox="1"/>
+          <p:nvPr>
+            <p:custDataLst>
+              <p:tags r:id="rId112"/>
+            </p:custDataLst>
+          </p:nvPr>
+        </p:nvSpPr>
+        <p:spPr>
+          <a:xfrm>
+            <a:off x="1789684" y="6217243"/>
+            <a:ext cx="393700" cy="155025"/>
+          </a:xfrm>
+          <a:prstGeom prst="rect">
+            <a:avLst/>
+          </a:prstGeom>
+          <a:noFill/>
+        </p:spPr>
+        <p:txBody>
+          <a:bodyPr vert="horz" wrap="square" lIns="0" tIns="0" rIns="0" bIns="0" rtlCol="0" anchor="ctr" anchorCtr="0">
+            <a:spAutoFit/>
+          </a:bodyPr>
+          <a:lstStyle/>
+          <a:p>
+            <a:pPr algn="ctr"/>
+            <a:r>
+              <a:rPr lang="en-US" sz="1000" spc="-8" smtClean="0">
+                <a:solidFill>
+                  <a:schemeClr val="dk2"/>
+                </a:solidFill>
+                <a:latin typeface="Calibri" panose="020F0502020204030204" pitchFamily="34" charset="0"/>
+              </a:rPr>
+              <a:t>May 21</a:t>
+            </a:r>
+            <a:endParaRPr lang="en-US" sz="1000" spc="-8">
+              <a:solidFill>
+                <a:schemeClr val="dk2"/>
+              </a:solidFill>
+              <a:latin typeface="Calibri" panose="020F0502020204030204" pitchFamily="34" charset="0"/>
+            </a:endParaRPr>
+          </a:p>
+        </p:txBody>
+      </p:sp>
+      <p:sp>
+        <p:nvSpPr>
+          <p:cNvPr id="134" name="OTLSHAPE_SLT_1a51abf13eca4ab091d186e291c2da06_EndDate"/>
+          <p:cNvSpPr txBox="1"/>
+          <p:nvPr>
+            <p:custDataLst>
+              <p:tags r:id="rId113"/>
+            </p:custDataLst>
+          </p:nvPr>
+        </p:nvSpPr>
+        <p:spPr>
+          <a:xfrm>
+            <a:off x="7872489" y="6217243"/>
+            <a:ext cx="393700" cy="155025"/>
+          </a:xfrm>
+          <a:prstGeom prst="rect">
+            <a:avLst/>
+          </a:prstGeom>
+          <a:noFill/>
+        </p:spPr>
+        <p:txBody>
+          <a:bodyPr vert="horz" wrap="square" lIns="0" tIns="0" rIns="0" bIns="0" rtlCol="0" anchor="ctr" anchorCtr="0">
+            <a:spAutoFit/>
+          </a:bodyPr>
+          <a:lstStyle/>
+          <a:p>
+            <a:pPr algn="ctr"/>
+            <a:r>
+              <a:rPr lang="en-US" sz="1000" spc="-8" smtClean="0">
+                <a:solidFill>
+                  <a:schemeClr val="dk2"/>
+                </a:solidFill>
+                <a:latin typeface="Calibri" panose="020F0502020204030204" pitchFamily="34" charset="0"/>
+              </a:rPr>
+              <a:t>May 25</a:t>
+            </a:r>
+            <a:endParaRPr lang="en-US" sz="1000" spc="-8">
+              <a:solidFill>
+                <a:schemeClr val="dk2"/>
+              </a:solidFill>
+              <a:latin typeface="Calibri" panose="020F0502020204030204" pitchFamily="34" charset="0"/>
+            </a:endParaRPr>
+          </a:p>
+        </p:txBody>
+      </p:sp>
+      <p:sp>
+        <p:nvSpPr>
+          <p:cNvPr id="135" name="OTLSHAPE_SLT_1a51abf13eca4ab091d186e291c2da06_Title"/>
+          <p:cNvSpPr txBox="1"/>
+          <p:nvPr>
+            <p:custDataLst>
+              <p:tags r:id="rId114"/>
+            </p:custDataLst>
+          </p:nvPr>
+        </p:nvSpPr>
+        <p:spPr>
+          <a:xfrm>
+            <a:off x="4584029" y="6209496"/>
+            <a:ext cx="876300" cy="170519"/>
+          </a:xfrm>
+          <a:prstGeom prst="rect">
+            <a:avLst/>
+          </a:prstGeom>
+          <a:noFill/>
+        </p:spPr>
+        <p:txBody>
+          <a:bodyPr vert="horz" wrap="square" lIns="0" tIns="0" rIns="0" bIns="0" rtlCol="0" anchor="ctr" anchorCtr="0">
+            <a:spAutoFit/>
+          </a:bodyPr>
+          <a:lstStyle/>
+          <a:p>
+            <a:pPr algn="ctr"/>
+            <a:r>
+              <a:rPr lang="en-US" sz="1100" b="1" spc="-4" smtClean="0">
+                <a:solidFill>
+                  <a:schemeClr val="dk1"/>
+                </a:solidFill>
+                <a:latin typeface="Calibri" panose="020F0502020204030204" pitchFamily="34" charset="0"/>
+              </a:rPr>
+              <a:t>Project Charter</a:t>
+            </a:r>
+            <a:endParaRPr lang="en-US" sz="1100" b="1" spc="-4">
+              <a:solidFill>
+                <a:schemeClr val="dk1"/>
+              </a:solidFill>
+              <a:latin typeface="Calibri" panose="020F0502020204030204" pitchFamily="34" charset="0"/>
+            </a:endParaRPr>
+          </a:p>
+        </p:txBody>
+      </p:sp>
+      <p:sp>
+        <p:nvSpPr>
+          <p:cNvPr id="138" name="OTLSHAPE_SLT_5698bae135ab41cc85ca575d417f1676_Duration" hidden="1"/>
+          <p:cNvSpPr txBox="1"/>
+          <p:nvPr>
+            <p:custDataLst>
+              <p:tags r:id="rId115"/>
+            </p:custDataLst>
+          </p:nvPr>
+        </p:nvSpPr>
+        <p:spPr>
+          <a:xfrm>
+            <a:off x="12700" y="-233521"/>
+            <a:ext cx="330200" cy="165100"/>
+          </a:xfrm>
+          <a:prstGeom prst="rect">
+            <a:avLst/>
+          </a:prstGeom>
+          <a:noFill/>
+        </p:spPr>
+        <p:txBody>
+          <a:bodyPr vert="horz" wrap="square" lIns="0" tIns="0" rIns="0" bIns="0" rtlCol="0" anchor="ctr" anchorCtr="0">
+            <a:spAutoFit/>
+          </a:bodyPr>
+          <a:lstStyle/>
+          <a:p>
+            <a:r>
+              <a:rPr lang="en-US" sz="1000" smtClean="0">
+                <a:solidFill>
+                  <a:schemeClr val="accent2"/>
+                </a:solidFill>
+                <a:latin typeface="Calibri" panose="020F0502020204030204" pitchFamily="34" charset="0"/>
+              </a:rPr>
+              <a:t>0 days</a:t>
+            </a:r>
+            <a:endParaRPr lang="en-US" sz="1000">
+              <a:solidFill>
+                <a:schemeClr val="accent2"/>
+              </a:solidFill>
+              <a:latin typeface="Calibri" panose="020F0502020204030204" pitchFamily="34" charset="0"/>
+            </a:endParaRPr>
+          </a:p>
+        </p:txBody>
+      </p:sp>
+      <p:sp>
+        <p:nvSpPr>
+          <p:cNvPr id="139" name="OTLSHAPE_SLT_5698bae135ab41cc85ca575d417f1676_TextPercentage" hidden="1"/>
+          <p:cNvSpPr txBox="1"/>
+          <p:nvPr>
+            <p:custDataLst>
+              <p:tags r:id="rId116"/>
+            </p:custDataLst>
+          </p:nvPr>
+        </p:nvSpPr>
+        <p:spPr>
+          <a:xfrm>
+            <a:off x="12700" y="74255"/>
+            <a:ext cx="0" cy="0"/>
+          </a:xfrm>
+          <a:prstGeom prst="rect">
+            <a:avLst/>
+          </a:prstGeom>
+          <a:noFill/>
+        </p:spPr>
+        <p:txBody>
+          <a:bodyPr vert="horz" wrap="square" lIns="0" tIns="0" rIns="0" bIns="0" rtlCol="0" anchor="ctr" anchorCtr="0">
+            <a:spAutoFit/>
+          </a:bodyPr>
+          <a:lstStyle/>
+          <a:p>
+            <a:endParaRPr lang="en-US" sz="1000">
+              <a:solidFill>
+                <a:schemeClr val="accent2"/>
+              </a:solidFill>
+              <a:latin typeface="Calibri" panose="020F0502020204030204" pitchFamily="34" charset="0"/>
+            </a:endParaRPr>
+          </a:p>
+        </p:txBody>
+      </p:sp>
+      <p:sp>
+        <p:nvSpPr>
+          <p:cNvPr id="140" name="OTLSHAPE_SLT_5698bae135ab41cc85ca575d417f1676_JoinedDate" hidden="1"/>
+          <p:cNvSpPr txBox="1"/>
+          <p:nvPr>
+            <p:custDataLst>
+              <p:tags r:id="rId117"/>
+            </p:custDataLst>
+          </p:nvPr>
+        </p:nvSpPr>
+        <p:spPr>
+          <a:xfrm>
+            <a:off x="12700" y="74255"/>
+            <a:ext cx="0" cy="0"/>
+          </a:xfrm>
+          <a:prstGeom prst="rect">
+            <a:avLst/>
+          </a:prstGeom>
+          <a:noFill/>
+        </p:spPr>
+        <p:txBody>
+          <a:bodyPr vert="horz" wrap="square" lIns="0" tIns="0" rIns="0" bIns="0" rtlCol="0" anchor="ctr" anchorCtr="0">
+            <a:spAutoFit/>
+          </a:bodyPr>
+          <a:lstStyle/>
+          <a:p>
+            <a:pPr algn="ctr"/>
+            <a:endParaRPr lang="en-US" sz="1000">
+              <a:solidFill>
+                <a:schemeClr val="dk2"/>
+              </a:solidFill>
+              <a:latin typeface="Calibri" panose="020F0502020204030204" pitchFamily="34" charset="0"/>
+            </a:endParaRPr>
+          </a:p>
+        </p:txBody>
+      </p:sp>
+      <p:sp>
+        <p:nvSpPr>
+          <p:cNvPr id="141" name="OTLSHAPE_SLT_5698bae135ab41cc85ca575d417f1676_StartDate"/>
+          <p:cNvSpPr txBox="1"/>
+          <p:nvPr>
+            <p:custDataLst>
+              <p:tags r:id="rId118"/>
+            </p:custDataLst>
+          </p:nvPr>
+        </p:nvSpPr>
+        <p:spPr>
+          <a:xfrm>
+            <a:off x="9629638" y="6560143"/>
+            <a:ext cx="393700" cy="155025"/>
+          </a:xfrm>
+          <a:prstGeom prst="rect">
+            <a:avLst/>
+          </a:prstGeom>
+          <a:noFill/>
+        </p:spPr>
+        <p:txBody>
+          <a:bodyPr vert="horz" wrap="square" lIns="0" tIns="0" rIns="0" bIns="0" rtlCol="0" anchor="ctr" anchorCtr="0">
+            <a:spAutoFit/>
+          </a:bodyPr>
+          <a:lstStyle/>
+          <a:p>
+            <a:pPr algn="ctr"/>
+            <a:r>
+              <a:rPr lang="en-US" sz="1000" spc="-8" smtClean="0">
+                <a:solidFill>
+                  <a:schemeClr val="dk2"/>
+                </a:solidFill>
+                <a:latin typeface="Calibri" panose="020F0502020204030204" pitchFamily="34" charset="0"/>
+              </a:rPr>
+              <a:t>May 28</a:t>
+            </a:r>
+            <a:endParaRPr lang="en-US" sz="1000" spc="-8">
+              <a:solidFill>
+                <a:schemeClr val="dk2"/>
+              </a:solidFill>
+              <a:latin typeface="Calibri" panose="020F0502020204030204" pitchFamily="34" charset="0"/>
+            </a:endParaRPr>
+          </a:p>
+        </p:txBody>
+      </p:sp>
+      <p:sp>
+        <p:nvSpPr>
+          <p:cNvPr id="142" name="OTLSHAPE_SLT_5698bae135ab41cc85ca575d417f1676_EndDate"/>
+          <p:cNvSpPr txBox="1"/>
+          <p:nvPr>
+            <p:custDataLst>
+              <p:tags r:id="rId119"/>
+            </p:custDataLst>
+          </p:nvPr>
+        </p:nvSpPr>
+        <p:spPr>
+          <a:xfrm>
+            <a:off x="11232470" y="6637655"/>
+            <a:ext cx="0" cy="0"/>
+          </a:xfrm>
+          <a:prstGeom prst="rect">
+            <a:avLst/>
+          </a:prstGeom>
+          <a:noFill/>
+        </p:spPr>
+        <p:txBody>
+          <a:bodyPr vert="horz" wrap="square" lIns="0" tIns="0" rIns="0" bIns="0" rtlCol="0" anchor="ctr" anchorCtr="0">
+            <a:spAutoFit/>
+          </a:bodyPr>
+          <a:lstStyle/>
+          <a:p>
+            <a:pPr algn="ctr"/>
+            <a:endParaRPr lang="en-US" sz="1000" spc="-36">
+              <a:solidFill>
+                <a:schemeClr val="dk2"/>
+              </a:solidFill>
+              <a:latin typeface="Calibri" panose="020F0502020204030204" pitchFamily="34" charset="0"/>
+            </a:endParaRPr>
+          </a:p>
+        </p:txBody>
+      </p:sp>
+      <p:sp>
+        <p:nvSpPr>
+          <p:cNvPr id="143" name="OTLSHAPE_SLT_5698bae135ab41cc85ca575d417f1676_Title"/>
+          <p:cNvSpPr txBox="1"/>
+          <p:nvPr>
+            <p:custDataLst>
+              <p:tags r:id="rId120"/>
+            </p:custDataLst>
+          </p:nvPr>
+        </p:nvSpPr>
+        <p:spPr>
+          <a:xfrm>
+            <a:off x="10398796" y="6552395"/>
+            <a:ext cx="457200" cy="170519"/>
+          </a:xfrm>
+          <a:prstGeom prst="rect">
+            <a:avLst/>
+          </a:prstGeom>
+          <a:noFill/>
+        </p:spPr>
+        <p:txBody>
+          <a:bodyPr vert="horz" wrap="square" lIns="0" tIns="0" rIns="0" bIns="0" rtlCol="0" anchor="ctr" anchorCtr="0">
+            <a:spAutoFit/>
+          </a:bodyPr>
+          <a:lstStyle/>
+          <a:p>
+            <a:pPr algn="ctr"/>
+            <a:r>
+              <a:rPr lang="en-US" sz="1100" b="1" spc="-8" smtClean="0">
+                <a:solidFill>
+                  <a:schemeClr val="dk1"/>
+                </a:solidFill>
+                <a:latin typeface="Calibri" panose="020F0502020204030204" pitchFamily="34" charset="0"/>
+              </a:rPr>
+              <a:t>Release</a:t>
+            </a:r>
+            <a:endParaRPr lang="en-US" sz="1100" b="1" spc="-8">
+              <a:solidFill>
+                <a:schemeClr val="dk1"/>
+              </a:solidFill>
+              <a:latin typeface="Calibri" panose="020F0502020204030204" pitchFamily="34" charset="0"/>
+            </a:endParaRPr>
+          </a:p>
+        </p:txBody>
+      </p:sp>
+      <p:cxnSp>
+        <p:nvCxnSpPr>
+          <p:cNvPr id="9" name="OTLSHAPE_TB_00000000000000000000000000000000_Separator1"/>
+          <p:cNvCxnSpPr/>
+          <p:nvPr>
+            <p:custDataLst>
+              <p:tags r:id="rId121"/>
+            </p:custDataLst>
+          </p:nvPr>
+        </p:nvCxnSpPr>
+        <p:spPr>
+          <a:xfrm>
+            <a:off x="3342480" y="3111500"/>
+            <a:ext cx="0" cy="254000"/>
+          </a:xfrm>
+          <a:prstGeom prst="line">
+            <a:avLst/>
+          </a:prstGeom>
+          <a:ln w="9525" cap="flat" cmpd="sng" algn="ctr">
+            <a:solidFill>
+              <a:schemeClr val="lt1">
+                <a:alpha val="29804"/>
+              </a:schemeClr>
+            </a:solidFill>
+            <a:prstDash val="solid"/>
+            <a:miter lim="800000"/>
+            <a:headEnd type="none" w="med" len="med"/>
+            <a:tailEnd type="none" w="med" len="med"/>
+          </a:ln>
+        </p:spPr>
+        <p:style>
+          <a:lnRef idx="1">
+            <a:schemeClr val="accent1"/>
+          </a:lnRef>
+          <a:fillRef idx="0">
+            <a:schemeClr val="accent1"/>
+          </a:fillRef>
+          <a:effectRef idx="0">
+            <a:schemeClr val="accent1"/>
+          </a:effectRef>
+          <a:fontRef idx="minor">
+            <a:schemeClr val="tx1"/>
+          </a:fontRef>
+        </p:style>
+      </p:cxnSp>
+      <p:cxnSp>
+        <p:nvCxnSpPr>
+          <p:cNvPr id="106" name="OTLSHAPE_TB_00000000000000000000000000000000_Separator2"/>
+          <p:cNvCxnSpPr/>
+          <p:nvPr>
+            <p:custDataLst>
+              <p:tags r:id="rId122"/>
+            </p:custDataLst>
+          </p:nvPr>
+        </p:nvCxnSpPr>
+        <p:spPr>
+          <a:xfrm>
+            <a:off x="4462474" y="3111500"/>
+            <a:ext cx="0" cy="254000"/>
+          </a:xfrm>
+          <a:prstGeom prst="line">
+            <a:avLst/>
+          </a:prstGeom>
+          <a:ln w="9525" cap="flat" cmpd="sng" algn="ctr">
+            <a:solidFill>
+              <a:schemeClr val="lt1">
+                <a:alpha val="29804"/>
+              </a:schemeClr>
+            </a:solidFill>
+            <a:prstDash val="solid"/>
+            <a:miter lim="800000"/>
+            <a:headEnd type="none" w="med" len="med"/>
+            <a:tailEnd type="none" w="med" len="med"/>
+          </a:ln>
+        </p:spPr>
+        <p:style>
+          <a:lnRef idx="1">
+            <a:schemeClr val="accent1"/>
+          </a:lnRef>
+          <a:fillRef idx="0">
+            <a:schemeClr val="accent1"/>
+          </a:fillRef>
+          <a:effectRef idx="0">
+            <a:schemeClr val="accent1"/>
+          </a:effectRef>
+          <a:fontRef idx="minor">
+            <a:schemeClr val="tx1"/>
+          </a:fontRef>
+        </p:style>
+      </p:cxnSp>
+      <p:cxnSp>
+        <p:nvCxnSpPr>
+          <p:cNvPr id="23" name="OTLSHAPE_TB_00000000000000000000000000000000_Separator3"/>
+          <p:cNvCxnSpPr/>
+          <p:nvPr>
+            <p:custDataLst>
+              <p:tags r:id="rId123"/>
+            </p:custDataLst>
+          </p:nvPr>
+        </p:nvCxnSpPr>
+        <p:spPr>
+          <a:xfrm>
+            <a:off x="5582467" y="3111500"/>
+            <a:ext cx="0" cy="254000"/>
+          </a:xfrm>
+          <a:prstGeom prst="line">
+            <a:avLst/>
+          </a:prstGeom>
+          <a:ln w="9525" cap="flat" cmpd="sng" algn="ctr">
+            <a:solidFill>
+              <a:schemeClr val="lt1">
+                <a:alpha val="29804"/>
+              </a:schemeClr>
+            </a:solidFill>
+            <a:prstDash val="solid"/>
+            <a:miter lim="800000"/>
+            <a:headEnd type="none" w="med" len="med"/>
+            <a:tailEnd type="none" w="med" len="med"/>
+          </a:ln>
+        </p:spPr>
+        <p:style>
+          <a:lnRef idx="1">
+            <a:schemeClr val="accent1"/>
+          </a:lnRef>
+          <a:fillRef idx="0">
+            <a:schemeClr val="accent1"/>
+          </a:fillRef>
+          <a:effectRef idx="0">
+            <a:schemeClr val="accent1"/>
+          </a:effectRef>
+          <a:fontRef idx="minor">
+            <a:schemeClr val="tx1"/>
+          </a:fontRef>
+        </p:style>
+      </p:cxnSp>
+      <p:cxnSp>
+        <p:nvCxnSpPr>
+          <p:cNvPr id="73" name="OTLSHAPE_TB_00000000000000000000000000000000_Separator4"/>
+          <p:cNvCxnSpPr/>
+          <p:nvPr>
+            <p:custDataLst>
+              <p:tags r:id="rId124"/>
+            </p:custDataLst>
+          </p:nvPr>
+        </p:nvCxnSpPr>
+        <p:spPr>
+          <a:xfrm>
+            <a:off x="6702461" y="3111500"/>
+            <a:ext cx="0" cy="254000"/>
+          </a:xfrm>
+          <a:prstGeom prst="line">
+            <a:avLst/>
+          </a:prstGeom>
+          <a:ln w="9525" cap="flat" cmpd="sng" algn="ctr">
+            <a:solidFill>
+              <a:schemeClr val="lt1">
+                <a:alpha val="29804"/>
+              </a:schemeClr>
+            </a:solidFill>
+            <a:prstDash val="solid"/>
+            <a:miter lim="800000"/>
+            <a:headEnd type="none" w="med" len="med"/>
+            <a:tailEnd type="none" w="med" len="med"/>
+          </a:ln>
+        </p:spPr>
+        <p:style>
+          <a:lnRef idx="1">
+            <a:schemeClr val="accent1"/>
+          </a:lnRef>
+          <a:fillRef idx="0">
+            <a:schemeClr val="accent1"/>
+          </a:fillRef>
+          <a:effectRef idx="0">
+            <a:schemeClr val="accent1"/>
+          </a:effectRef>
+          <a:fontRef idx="minor">
+            <a:schemeClr val="tx1"/>
+          </a:fontRef>
+        </p:style>
+      </p:cxnSp>
+      <p:cxnSp>
+        <p:nvCxnSpPr>
+          <p:cNvPr id="84" name="OTLSHAPE_TB_00000000000000000000000000000000_Separator5"/>
+          <p:cNvCxnSpPr/>
+          <p:nvPr>
+            <p:custDataLst>
+              <p:tags r:id="rId125"/>
+            </p:custDataLst>
+          </p:nvPr>
+        </p:nvCxnSpPr>
+        <p:spPr>
+          <a:xfrm>
+            <a:off x="7822454" y="3111500"/>
+            <a:ext cx="0" cy="254000"/>
+          </a:xfrm>
+          <a:prstGeom prst="line">
+            <a:avLst/>
+          </a:prstGeom>
+          <a:ln w="9525" cap="flat" cmpd="sng" algn="ctr">
+            <a:solidFill>
+              <a:schemeClr val="lt1">
+                <a:alpha val="29804"/>
+              </a:schemeClr>
+            </a:solidFill>
+            <a:prstDash val="solid"/>
+            <a:miter lim="800000"/>
+            <a:headEnd type="none" w="med" len="med"/>
+            <a:tailEnd type="none" w="med" len="med"/>
+          </a:ln>
+        </p:spPr>
+        <p:style>
+          <a:lnRef idx="1">
+            <a:schemeClr val="accent1"/>
+          </a:lnRef>
+          <a:fillRef idx="0">
+            <a:schemeClr val="accent1"/>
+          </a:fillRef>
+          <a:effectRef idx="0">
+            <a:schemeClr val="accent1"/>
+          </a:effectRef>
+          <a:fontRef idx="minor">
+            <a:schemeClr val="tx1"/>
+          </a:fontRef>
+        </p:style>
+      </p:cxnSp>
+      <p:cxnSp>
+        <p:nvCxnSpPr>
+          <p:cNvPr id="92" name="OTLSHAPE_TB_00000000000000000000000000000000_Separator6"/>
+          <p:cNvCxnSpPr/>
+          <p:nvPr>
+            <p:custDataLst>
+              <p:tags r:id="rId126"/>
+            </p:custDataLst>
+          </p:nvPr>
+        </p:nvCxnSpPr>
+        <p:spPr>
+          <a:xfrm>
+            <a:off x="8942448" y="3111500"/>
+            <a:ext cx="0" cy="254000"/>
+          </a:xfrm>
+          <a:prstGeom prst="line">
+            <a:avLst/>
+          </a:prstGeom>
+          <a:ln w="9525" cap="flat" cmpd="sng" algn="ctr">
+            <a:solidFill>
+              <a:schemeClr val="lt1">
+                <a:alpha val="29804"/>
+              </a:schemeClr>
+            </a:solidFill>
+            <a:prstDash val="solid"/>
+            <a:miter lim="800000"/>
+            <a:headEnd type="none" w="med" len="med"/>
+            <a:tailEnd type="none" w="med" len="med"/>
+          </a:ln>
+        </p:spPr>
+        <p:style>
+          <a:lnRef idx="1">
+            <a:schemeClr val="accent1"/>
+          </a:lnRef>
+          <a:fillRef idx="0">
+            <a:schemeClr val="accent1"/>
+          </a:fillRef>
+          <a:effectRef idx="0">
+            <a:schemeClr val="accent1"/>
+          </a:effectRef>
+          <a:fontRef idx="minor">
+            <a:schemeClr val="tx1"/>
+          </a:fontRef>
+        </p:style>
+      </p:cxnSp>
+      <p:cxnSp>
+        <p:nvCxnSpPr>
+          <p:cNvPr id="94" name="OTLSHAPE_TB_00000000000000000000000000000000_Separator7"/>
+          <p:cNvCxnSpPr/>
+          <p:nvPr>
+            <p:custDataLst>
+              <p:tags r:id="rId127"/>
+            </p:custDataLst>
+          </p:nvPr>
+        </p:nvCxnSpPr>
+        <p:spPr>
+          <a:xfrm>
+            <a:off x="10062441" y="3111500"/>
+            <a:ext cx="0" cy="254000"/>
+          </a:xfrm>
+          <a:prstGeom prst="line">
+            <a:avLst/>
+          </a:prstGeom>
+          <a:ln w="9525" cap="flat" cmpd="sng" algn="ctr">
+            <a:solidFill>
+              <a:schemeClr val="lt1">
+                <a:alpha val="29804"/>
+              </a:schemeClr>
+            </a:solidFill>
+            <a:prstDash val="solid"/>
+            <a:miter lim="800000"/>
+            <a:headEnd type="none" w="med" len="med"/>
+            <a:tailEnd type="none" w="med" len="med"/>
+          </a:ln>
+        </p:spPr>
+        <p:style>
+          <a:lnRef idx="1">
+            <a:schemeClr val="accent1"/>
+          </a:lnRef>
+          <a:fillRef idx="0">
+            <a:schemeClr val="accent1"/>
+          </a:fillRef>
+          <a:effectRef idx="0">
+            <a:schemeClr val="accent1"/>
+          </a:effectRef>
+          <a:fontRef idx="minor">
+            <a:schemeClr val="tx1"/>
+          </a:fontRef>
+        </p:style>
+      </p:cxnSp>
+    </p:spTree>
+    <p:custDataLst>
+      <p:tags r:id="rId1"/>
+    </p:custDataLst>
+    <p:extLst>
+      <p:ext uri="{BB962C8B-B14F-4D97-AF65-F5344CB8AC3E}">
+        <p14:creationId xmlns:p14="http://schemas.microsoft.com/office/powerpoint/2010/main" val="2594948093"/>
+      </p:ext>
+    </p:extLst>
+  </p:cSld>
+  <p:clrMapOvr>
+    <a:masterClrMapping/>
+  </p:clrMapOvr>
+  <p:timing>
+    <p:tnLst>
+      <p:par>
+        <p:cTn id="1" dur="indefinite" restart="never" nodeType="tmRoot"/>
+      </p:par>
+    </p:tnLst>
+  </p:timing>
+</p:sld>
+</file>
+
 <file path=ppt/tags/tag1.xml><?xml version="1.0" encoding="utf-8"?>
 <p:tagLst xmlns:a="http://schemas.openxmlformats.org/drawingml/2006/main" xmlns:r="http://schemas.openxmlformats.org/officeDocument/2006/relationships" xmlns:p="http://schemas.openxmlformats.org/presentationml/2006/main">
   <p:tag name="__PART_0" val="eyIkaWQiOiIxIiwiX3N3aW1sYW5lc1YyIjpbeyIkaWQiOiIyIiwiX2FjdGl2aXRpZXMiOlt7IiRpZCI6IjMiLCJfcm93cyI6W3siJGlkIjoiNCIsIl90YXNrcyI6W3siJGlkIjoiNSIsIl9hdHRhY2hlZE1pbGVzdG9uZXMiOltdLCJUYXNrRGVmaW5pdGlvbiI6eyIkaWQiOiI2IiwiR3JvdXBOYW1lIjpudWxsLCJTdGFydERhdGUiOiIyMDIyLTA0LTA5VDAwOjAwOjAwIiwiRW5kRGF0ZSI6IjIwMjItMDQtMTVUMjM6NTk6MDAiLCJQZXJjZW50YWdlQ29tcGxldGUiOm51bGwsIlN0eWxlIjp7IiRpZCI6IjciLCJTaGFwZSI6MiwiU2hhcGVUaGlja25lc3MiOjEsIkR1cmF0aW9uRm9ybWF0IjowLCJJbmNsdWRlTm9uV29ya2luZ0RheXNJbkR1cmF0aW9uIjpmYWxzZSwiUGVyY2VudGFnZUNvbXBsZXRlU3R5bGUiOnsiJGlkIjoiOCIsIkZvbnRTZXR0aW5ncyI6eyIkaWQiOiI5IiwiRm9udFNpemUiOjEwLCJGb250TmFtZSI6IkNhbGlicmkiLCJJc0JvbGQiOmZhbHNlLCJJc0l0YWxpYyI6ZmFsc2UsIklzVW5kZXJsaW5lZCI6ZmFsc2UsIlBhcmVudFN0eWxlIjpudWxsfSwiQXV0b1NpemUiOjAsIkZvcmVncm91bmQiOnsiJGlkIjoiMTAiLCJDb2xvciI6eyIkaWQiOiIxMSIsIkEiOjI1NSwiUiI6MjM3LCJHIjoxMjUsIkIiOjQ5fX0sIk1heFdpZHRoIjoyMDAuMCwiTWF4SGVpZ2h0IjoiSW5maW5pdHkiLCJTbWFydEZvcmVncm91bmRJc0FjdGl2ZSI6ZmFsc2UsIkhvcml6b250YWxBbGlnbm1lbnQiOjAsIlZlcnRpY2FsQWxpZ25tZW50IjowLCJTbWFydEZvcmVncm91bmQiOm51bGwsIkJhY2tncm91bmRGaWxsVHlwZSI6MCwiTWFyZ2luIjp7IiRpZCI6IjEyIiwiVG9wIjowLjAsIkxlZnQiOjAuMCwiUmlnaHQiOjAuMCwiQm90dG9tIjowLjB9LCJQYWRkaW5nIjp7IiRpZCI6IjEzIiwiVG9wIjowLjAsIkxlZnQiOjAuMCwiUmlnaHQiOjAuMCwiQm90dG9tIjowLjB9LCJCYWNrZ3JvdW5kIjp7IiRpZCI6IjE0IiwiQ29sb3IiOnsiJGlkIjoiMTUiLCJBIjo4OSwiUiI6MCwiRyI6MCwiQiI6MH19LCJJc1Zpc2libGUiOnRydWUsIldpZHRoIjowLjAsIkhlaWdodCI6MC4wLCJCb3JkZXJTdHlsZSI6eyIkaWQiOiIxNiIsIkxpbmVDb2xvciI6bnVsbCwiTGluZVdlaWdodCI6MC4wLCJMaW5lVHlwZSI6MCwiUGFyZW50U3R5bGUiOm51bGx9LCJQYXJlbnRTdHlsZSI6bnVsbH0sIkR1cmF0aW9uU3R5bGUiOnsiJGlkIjoiMTciLCJGb250U2V0dGluZ3MiOnsiJGlkIjoiMTgiLCJGb250U2l6ZSI6MTAsIkZvbnROYW1lIjoiQ2FsaWJyaSIsIklzQm9sZCI6ZmFsc2UsIklzSXRhbGljIjpmYWxzZSwiSXNVbmRlcmxpbmVkIjpmYWxzZSwiUGFyZW50U3R5bGUiOm51bGx9LCJBdXRvU2l6ZSI6MCwiRm9yZWdyb3VuZCI6eyIkaWQiOiIxOSIsIkNvbG9yIjp7IiRpZCI6IjIwIiwiQSI6MjU1LCJSIjoyMzcsIkciOjEyNSwiQiI6NDl9fSwiTWF4V2lkdGgiOjIwMC4wLCJNYXhIZWlnaHQiOiJJbmZpbml0eSIsIlNtYXJ0Rm9yZWdyb3VuZElzQWN0aXZlIjpmYWxzZSwiSG9yaXpvbnRhbEFsaWdubWVudCI6MCwiVmVydGljYWxBbGlnbm1lbnQiOjAsIlNtYXJ0Rm9yZWdyb3VuZCI6bnVsbCwiQmFja2dyb3VuZEZpbGxUeXBlIjowLCJNYXJnaW4iOnsiJGlkIjoiMjEiLCJUb3AiOjAuMCwiTGVmdCI6MC4wLCJSaWdodCI6MC4wLCJCb3R0b20iOjAuMH0sIlBhZGRpbmciOnsiJGlkIjoiMjIiLCJUb3AiOjAuMCwiTGVmdCI6MC4wLCJSaWdodCI6MC4wLCJCb3R0b20iOjAuMH0sIkJhY2tncm91bmQiOnsiJGlkIjoiMjMiLCJDb2xvciI6eyIkcmVmIjoiMTUifX0sIklzVmlzaWJsZSI6dHJ1ZSwiV2lkdGgiOjAuMCwiSGVpZ2h0IjowLjAsIkJvcmRlclN0eWxlIjp7IiRpZCI6IjI0IiwiTGluZUNvbG9yIjpudWxsLCJMaW5lV2VpZ2h0IjowLjAsIkxpbmVUeXBlIjowLCJQYXJlbnRTdHlsZSI6bnVsbH0sIlBhcmVudFN0eWxlIjpudWxsfSwiSG9yaXpvbnRhbENvbm5lY3RvclN0eWxlIjp7IiRpZCI6IjI1IiwiTGluZUNvbG9yIjp7IiRpZCI6IjI2IiwiJHR5cGUiOiJOTFJFLkNvbW1vbi5Eb20uU29saWRDb2xvckJydXNoLCBOTFJFLkNvbW1vbiIsIkNvbG9yIjp7IiRpZCI6IjI3IiwiQSI6MjU1LCJSIjoyMDQsIkciOjIwNCwiQiI6MjA0fX0sIkxpbmVXZWlnaHQiOjEuMCwiTGluZVR5cGUiOjAsIlBhcmVudFN0eWxlIjpudWxsfSwiVmVydGljYWxDb25uZWN0b3JTdHlsZSI6eyIkaWQiOiIyOCIsIkxpbmVDb2xvciI6eyIkaWQiOiIyOSIsIiR0eXBlIjoiTkxSRS5Db21tb24uRG9tLlNvbGlkQ29sb3JCcnVzaCwgTkxSRS5Db21tb24iLCJDb2xvciI6eyIkaWQiOiIzMCIsIkEiOjI1NSwiUiI6MjA0LCJHIjoyMDQsIkIiOjIwNH19LCJMaW5lV2VpZ2h0IjowLjAsIkxpbmVUeXBlIjowLCJQYXJlbnRTdHlsZSI6bnVsbH0sIk1hcmdpbiI6bnVsbCwiU3RhcnREYXRlUG9zaXRpb24iOjMsIkVuZERhdGVQb3NpdGlvbiI6NCwiRGF0ZUlzVmlzaWJsZSI6dHJ1ZSwiVGl0bGVQb3NpdGlvbiI6MCwiRHVyYXRpb25Qb3NpdGlvbiI6NiwiUGVyY2VudGFnZUNvbXBsZXRlZFBvc2l0aW9uIjo2LCJTcGFjaW5nIjo1LCJJc0JlbG93VGltZWJhbmQiOnRydWUsIlBlcmNlbnRhZ2VDb21wbGV0ZVNoYXBlT3BhY2l0eSI6MzUsIlNoYXBlU3R5bGUiOnsiJGlkIjoiMzEiLCJNYXJnaW4iOnsiJGlkIjoiMzIiLCJUb3AiOjAuMCwiTGVmdCI6NC4wLCJSaWdodCI6NC4wLCJCb3R0b20iOjAuMH0sIlBhZGRpbmciOnsiJGlkIjoiMzMiLCJUb3AiOjAuMCwiTGVmdCI6MC4wLCJSaWdodCI6MC4wLCJCb3R0b20iOjAuMH0sIkJhY2tncm91bmQiOnsiJGlkIjoiMzQiLCJDb2xvciI6eyIkaWQiOiIzNSIsIkEiOjI1NSwiUiI6OTEsIkciOjE1NSwiQiI6MjEzfX0sIklzVmlzaWJsZSI6dHJ1ZSwiV2lkdGgiOjAuMCwiSGVpZ2h0IjoxNi4wLCJCb3JkZXJTdHlsZSI6eyIkaWQiOiIzNiIsIkxpbmVDb2xvciI6eyIkaWQiOiIzNyIsIiR0eXBlIjoiTkxSRS5Db21tb24uRG9tLlNvbGlkQ29sb3JCcnVzaCwgTkxSRS5Db21tb24iLCJDb2xvciI6eyIkaWQiOiIzOCIsIkEiOjI1NSwiUiI6MjU1LCJHIjowLCJCIjowfX0sIkxpbmVXZWlnaHQiOjAuMCwiTGluZVR5cGUiOjAsIlBhcmVudFN0eWxlIjpudWxsfSwiUGFyZW50U3R5bGUiOm51bGx9LCJUaXRsZVN0eWxlIjp7IiRpZCI6IjM5IiwiRm9udFNldHRpbmdzIjp7IiRpZCI6IjQwIiwiRm9udFNpemUiOjExLCJGb250TmFtZSI6IkNhbGlicmkiLCJJc0JvbGQiOnRydWUsIklzSXRhbGljIjpmYWxzZSwiSXNVbmRlcmxpbmVkIjpmYWxzZSwiUGFyZW50U3R5bGUiOm51bGx9LCJBdXRvU2l6ZSI6MCwiRm9yZWdyb3VuZCI6eyIkaWQiOiI0MSIsIkNvbG9yIjp7IiRpZCI6IjQyIiwiQSI6MjU1LCJSIjowLCJHIjowLCJCIjowfX0sIk1heFdpZHRoIjo3MjAuMCwiTWF4SGVpZ2h0IjoiSW5maW5pdHkiLCJTbWFydEZvcmVncm91bmRJc0FjdGl2ZSI6ZmFsc2UsIkhvcml6b250YWxBbGlnbm1lbnQiOjAsIlZlcnRpY2FsQWxpZ25tZW50IjowLCJTbWFydEZvcmVncm91bmQiOm51bGwsIkJhY2tncm91bmRGaWxsVHlwZSI6MCwiTWFyZ2luIjp7IiRpZCI6IjQzIiwiVG9wIjowLjAsIkxlZnQiOjAuMCwiUmlnaHQiOjAuMCwiQm90dG9tIjowLjB9LCJQYWRkaW5nIjp7IiRpZCI6IjQ0IiwiVG9wIjowLjAsIkxlZnQiOjAuMCwiUmlnaHQiOjAuMCwiQm90dG9tIjowLjB9LCJCYWNrZ3JvdW5kIjp7IiRpZCI6IjQ1IiwiQ29sb3IiOnsiJGlkIjoiNDYiLCJBIjowLCJSIjoyNTUsIkciOjI1NSwiQiI6MjU1fX0sIklzVmlzaWJsZSI6dHJ1ZSwiV2lkdGgiOjAuMCwiSGVpZ2h0IjowLjAsIkJvcmRlclN0eWxlIjp7IiRpZCI6IjQ3IiwiTGluZUNvbG9yIjpudWxsLCJMaW5lV2VpZ2h0IjowLjAsIkxpbmVUeXBlIjowLCJQYXJlbnRTdHlsZSI6bnVsbH0sIlBhcmVudFN0eWxlIjpudWxsfSwiRGF0ZVN0eWxlIjp7IiRpZCI6IjQ4IiwiRm9udFNldHRpbmdzIjp7IiRpZCI6IjQ5IiwiRm9udFNpemUiOjEwLCJGb250TmFtZSI6IkNhbGlicmkiLCJJc0JvbGQiOmZhbHNlLCJJc0l0YWxpYyI6ZmFsc2UsIklzVW5kZXJsaW5lZCI6ZmFsc2UsIlBhcmVudFN0eWxlIjpudWxsfSwiQXV0b1NpemUiOjAsIkZvcmVncm91bmQiOnsiJGlkIjoiNTAiLCJDb2xvciI6eyIkaWQiOiI1MSIsIkEiOjI1NSwiUiI6NjgsIkciOjg0LCJCIjoxMDZ9fSwiTWF4V2lkdGgiOjIwMC4wLCJNYXhIZWlnaHQiOiJJbmZpbml0eSIsIlNtYXJ0Rm9yZWdyb3VuZElzQWN0aXZlIjpmYWxzZSwiSG9yaXpvbnRhbEFsaWdubWVudCI6MSwiVmVydGljYWxBbGlnbm1lbnQiOjAsIlNtYXJ0Rm9yZWdyb3VuZCI6bnVsbCwiQmFja2dyb3VuZEZpbGxUeXBlIjowLCJNYXJnaW4iOnsiJGlkIjoiNTIiLCJUb3AiOjAuMCwiTGVmdCI6MC4wLCJSaWdodCI6MC4wLCJCb3R0b20iOjAuMH0sIlBhZGRpbmciOnsiJGlkIjoiNTMiLCJUb3AiOjAuMCwiTGVmdCI6MC4wLCJSaWdodCI6MC4wLCJCb3R0b20iOjAuMH0sIkJhY2tncm91bmQiOnsiJGlkIjoiNTQiLCJDb2xvciI6eyIkaWQiOiI1NSIsIkEiOjAsIlIiOjI1NSwiRyI6MjU1LCJCIjoyNTV9fSwiSXNWaXNpYmxlIjp0cnVlLCJXaWR0aCI6MC4wLCJIZWlnaHQiOjAuMCwiQm9yZGVyU3R5bGUiOnsiJGlkIjoiNTYiLCJMaW5lQ29sb3IiOm51bGwsIkxpbmVXZWlnaHQiOjAuMCwiTGluZVR5cGUiOjAsIlBhcmVudFN0eWxlIjpudWxsfSwiUGFyZW50U3R5bGUiOm51bGx9LCJEYXRlRm9ybWF0Ijp7IiRpZCI6IjU3IiwiRm9ybWF0U3RyaW5nIjoiTU1NIGQiLCJTZXBhcmF0b3IiOiIvIiwiVXNlSW50ZXJuYXRpb25hbERhdGVGb3JtYXQiOmZhbHNlLCJEYXRlSXNWaXNpYmxlIjp0cnVlLCJUaW1lSXNWaXNpYmxlIjpmYWxzZSwiSG91ckRpZ2l0cyI6MSwiQW1QbURlc2lnbmF0b3IiOjIsIlRyaW0wME1pbnV0ZXMiOmZhbHNlLCJMYXN0S25vd25WaXNpYmlsaXR5U3RhdGUiOm51bGx9LCJXZWVrTnVtYmVyaW5nIjp7IiRpZCI6IjU4IiwiRm9ybWF0IjowLCJJc1Zpc2libGUiOmZhbHNlLCJMYXN0S25vd25WaXNpYmlsaXR5U3RhdGUiOmZhbHNlfSwiSXNWaXNpYmxlIjp0cnVlLCJQYXJlbnRTdHlsZSI6bnVsbH0sIkluZGV4IjoxLCJTbWFydER1cmF0aW9uQWN0aXZhdGVkIjpmYWxzZSwiRGF0ZUZvcm1hdCI6eyIkcmVmIjoiNTcifSwiV2Vla051bWJlcmluZyI6eyIkaWQiOiI1OSIsIkZvcm1hdCI6MCwiSXNWaXNpYmxlIjpmYWxzZSwiTGFzdEtub3duVmlzaWJpbGl0eVN0YXRlIjpmYWxzZX0sIklkIjoiMGJjMTEwYzctYmJiOS00MjBiLTkzZGItOGM4ZDYzNTc5OGNjIiwiSW1wb3J0SWQiOm51bGwsIlRpdGxlIjoiUE1QIiwiTm90ZSI6bnVsbCwiSHlwZXJsaW5rIjp7IiRpZCI6IjYwIiwiQWRkcmVzcyI6IiIsIlN1YkFkZHJlc3MiOiIifSwiSXNDaGFuZ2VkIjpmYWxzZSwiSXNOZXciOmZhbHNlfX1dLCJfbWlsZXN0b25lcyI6W10sIklkIjoiMDAwMDAwMDAtMDAwMC0wMDAwLTAwMDAtMDAwMDAwMDAwMDAwIiwiSXNTaW5nbGVJdGVtUm93Ijp0cnVlfSx7IiRpZCI6IjYxIiwiX3Rhc2tzIjpbeyIkaWQiOiI2MiIsIl9hdHRhY2hlZE1pbGVzdG9uZXMiOltdLCJUYXNrRGVmaW5pdGlvbiI6eyIkaWQiOiI2MyIsIkdyb3VwTmFtZSI6bnVsbCwiU3RhcnREYXRlIjoiMjAyMi0wNC0wOVQwMDowMDowMFoiLCJFbmREYXRlIjoiMjAyMi0wNC0xMVQyMzo1OTowMFoiLCJQZXJjZW50YWdlQ29tcGxldGUiOm51bGwsIlN0eWxlIjp7IiRpZCI6IjY0IiwiU2hhcGUiOjEsIlNoYXBlVGhpY2tuZXNzIjoxLCJEdXJhdGlvbkZvcm1hdCI6MCwiSW5jbHVkZU5vbldvcmtpbmdEYXlzSW5EdXJhdGlvbiI6ZmFsc2UsIlBlcmNlbnRhZ2VDb21wbGV0ZVN0eWxlIjp7IiRpZCI6IjY1IiwiRm9udFNldHRpbmdzIjp7IiRpZCI6IjY2IiwiRm9udFNpemUiOjEwLCJGb250TmFtZSI6IkNhbGlicmkiLCJJc0JvbGQiOmZhbHNlLCJJc0l0YWxpYyI6ZmFsc2UsIklzVW5kZXJsaW5lZCI6ZmFsc2UsIlBhcmVudFN0eWxlIjpudWxsfSwiQXV0b1NpemUiOjAsIkZvcmVncm91bmQiOnsiJHJlZiI6IjEwIn0sIk1heFdpZHRoIjoyMDAuMCwiTWF4SGVpZ2h0IjoiSW5maW5pdHkiLCJTbWFydEZvcmVncm91bmRJc0FjdGl2ZSI6ZmFsc2UsIkhvcml6b250YWxBbGlnbm1lbnQiOjAsIlZlcnRpY2FsQWxpZ25tZW50IjowLCJTbWFydEZvcmVncm91bmQiOm51bGwsIkJhY2tncm91bmRGaWxsVHlwZSI6MCwiTWFyZ2luIjp7IiRpZCI6IjY3IiwiVG9wIjowLjAsIkxlZnQiOjAuMCwiUmlnaHQiOjAuMCwiQm90dG9tIjowLjB9LCJQYWRkaW5nIjp7IiRpZCI6IjY4IiwiVG9wIjowLjAsIkxlZnQiOjAuMCwiUmlnaHQiOjAuMCwiQm90dG9tIjowLjB9LCJCYWNrZ3JvdW5kIjp7IiRpZCI6IjY5IiwiQ29sb3IiOnsiJGlkIjoiNzAiLCJBIjo4OSwiUiI6MCwiRyI6MCwiQiI6MH19LCJJc1Zpc2libGUiOnRydWUsIldpZHRoIjowLjAsIkhlaWdodCI6MC4wLCJCb3JkZXJTdHlsZSI6eyIkaWQiOiI3MSIsIkxpbmVDb2xvciI6bnVsbCwiTGluZVdlaWdodCI6MC4wLCJMaW5lVHlwZSI6MCwiUGFyZW50U3R5bGUiOm51bGx9LCJQYXJlbnRTdHlsZSI6bnVsbH0sIkR1cmF0aW9uU3R5bGUiOnsiJGlkIjoiNzIiLCJGb250U2V0dGluZ3MiOnsiJGlkIjoiNzMiLCJGb250U2l6ZSI6MTAsIkZvbnROYW1lIjoiQ2FsaWJyaSIsIklzQm9sZCI6ZmFsc2UsIklzSXRhbGljIjpmYWxzZSwiSXNVbmRlcmxpbmVkIjpmYWxzZSwiUGFyZW50U3R5bGUiOm51bGx9LCJBdXRvU2l6ZSI6MCwiRm9yZWdyb3VuZCI6eyIkaWQiOiI3NCIsIkNvbG9yIjp7IiRpZCI6Ijc1IiwiQSI6MjU1LCJSIjoyMzcsIkciOjEyNSwiQiI6NDl9fSwiTWF4V2lkdGgiOjIwMC4wLCJNYXhIZWlnaHQiOiJJbmZpbml0eSIsIlNtYXJ0Rm9yZWdyb3VuZElzQWN0aXZlIjpmYWxzZSwiSG9yaXpvbnRhbEFsaWdubWVudCI6MCwiVmVydGljYWxBbGlnbm1lbnQiOjAsIlNtYXJ0Rm9yZWdyb3VuZCI6bnVsbCwiQmFja2dyb3VuZEZpbGxUeXBlIjowLCJNYXJnaW4iOnsiJGlkIjoiNzYiLCJUb3AiOjAuMCwiTGVmdCI6MC4wLCJSaWdodCI6MC4wLCJCb3R0b20iOjAuMH0sIlBhZGRpbmciOnsiJGlkIjoiNzciLCJUb3AiOjAuMCwiTGVmdCI6MC4wLCJSaWdodCI6MC4wLCJCb3R0b20iOjAuMH0sIkJhY2tncm91bmQiOnsiJGlkIjoiNzgiLCJDb2xvciI6eyIkcmVmIjoiNzAifX0sIklzVmlzaWJsZSI6dHJ1ZSwiV2lkdGgiOjAuMCwiSGVpZ2h0IjowLjAsIkJvcmRlclN0eWxlIjp7IiRpZCI6Ijc5IiwiTGluZUNvbG9yIjpudWxsLCJMaW5lV2VpZ2h0IjowLjAsIkxpbmVUeXBlIjowLCJQYXJlbnRTdHlsZSI6bnVsbH0sIlBhcmVudFN0eWxlIjpudWxsfSwiSG9yaXpvbnRhbENvbm5lY3RvclN0eWxlIjp7IiRpZCI6IjgwIiwiTGluZUNvbG9yIjp7IiRpZCI6IjgxIiwiJHR5cGUiOiJOTFJFLkNvbW1vbi5Eb20uU29saWRDb2xvckJydXNoLCBOTFJFLkNvbW1vbiIsIkNvbG9yIjp7IiRpZCI6IjgyIiwiQSI6MjU1LCJSIjoyMDQsIkciOjIwNCwiQiI6MjA0fX0sIkxpbmVXZWlnaHQiOjEuMCwiTGluZVR5cGUiOjAsIlBhcmVudFN0eWxlIjpudWxsfSwiVmVydGljYWxDb25uZWN0b3JTdHlsZSI6eyIkaWQiOiI4MyIsIkxpbmVDb2xvciI6eyIkaWQiOiI4NCIsIiR0eXBlIjoiTkxSRS5Db21tb24uRG9tLlNvbGlkQ29sb3JCcnVzaCwgTkxSRS5Db21tb24iLCJDb2xvciI6eyIkaWQiOiI4NSIsIkEiOjI1NSwiUiI6MjA0LCJHIjoyMDQsIkIiOjIwNH19LCJMaW5lV2VpZ2h0IjowLjAsIkxpbmVUeXBlIjowLCJQYXJlbnRTdHlsZSI6bnVsbH0sIk1hcmdpbiI6bnVsbCwiU3RhcnREYXRlUG9zaXRpb24iOjMsIkVuZERhdGVQb3NpdGlvbiI6NCwiRGF0ZUlzVmlzaWJsZSI6dHJ1ZSwiVGl0bGVQb3NpdGlvbiI6MCwiRHVyYXRpb25Qb3NpdGlvbiI6NiwiUGVyY2VudGFnZUNvbXBsZXRlZFBvc2l0aW9uIjo2LCJTcGFjaW5nIjo1LCJJc0JlbG93VGltZWJhbmQiOnRydWUsIlBlcmNlbnRhZ2VDb21wbGV0ZVNoYXBlT3BhY2l0eSI6MzUsIlNoYXBlU3R5bGUiOnsiJGlkIjoiODYiLCJNYXJnaW4iOnsiJGlkIjoiODciLCJUb3AiOjAuMCwiTGVmdCI6NC4wLCJSaWdodCI6NC4wLCJCb3R0b20iOjAuMH0sIlBhZGRpbmciOnsiJGlkIjoiODgiLCJUb3AiOjAuMCwiTGVmdCI6MC4wLCJSaWdodCI6MC4wLCJCb3R0b20iOjAuMH0sIkJhY2tncm91bmQiOnsiJGlkIjoiODkiLCJDb2xvciI6eyIkaWQiOiI5MCIsIkEiOjI1NSwiUiI6MjYsIkciOjE3MCwiQiI6NjZ9fSwiSXNWaXNpYmxlIjp0cnVlLCJXaWR0aCI6MC4wLCJIZWlnaHQiOjE2LjAsIkJvcmRlclN0eWxlIjp7IiRpZCI6IjkxIiwiTGluZUNvbG9yIjp7IiRpZCI6IjkyIiwiJHR5cGUiOiJOTFJFLkNvbW1vbi5Eb20uU29saWRDb2xvckJydXNoLCBOTFJFLkNvbW1vbiIsIkNvbG9yIjp7IiRpZCI6IjkzIiwiQSI6MjU1LCJSIjoyNTUsIkciOjAsIkIiOjB9fSwiTGluZVdlaWdodCI6MC4wLCJMaW5lVHlwZSI6MCwiUGFyZW50U3R5bGUiOm51bGx9LCJQYXJlbnRTdHlsZSI6bnVsbH0sIlRpdGxlU3R5bGUiOnsiJGlkIjoiOTQiLCJGb250U2V0dGluZ3MiOnsiJGlkIjoiOTUiLCJGb250U2l6ZSI6MTEsIkZvbnROYW1lIjoiQ2FsaWJyaSIsIklzQm9sZCI6dHJ1ZSwiSXNJdGFsaWMiOmZhbHNlLCJJc1VuZGVybGluZWQiOmZhbHNlLCJQYXJlbnRTdHlsZSI6bnVsbH0sIkF1dG9TaXplIjowLCJGb3JlZ3JvdW5kIjp7IiRpZCI6Ijk2IiwiQ29sb3IiOnsiJGlkIjoiOTciLCJBIjoyNTUsIlIiOjAsIkciOjAsIkIiOjB9fSwiTWF4V2lkdGgiOjcyMC4wLCJNYXhIZWlnaHQiOiJJbmZpbml0eSIsIlNtYXJ0Rm9yZWdyb3VuZElzQWN0aXZlIjpmYWxzZSwiSG9yaXpvbnRhbEFsaWdubWVudCI6MCwiVmVydGljYWxBbGlnbm1lbnQiOjAsIlNtYXJ0Rm9yZWdyb3VuZCI6bnVsbCwiQmFja2dyb3VuZEZpbGxUeXBlIjowLCJNYXJnaW4iOnsiJGlkIjoiOTgiLCJUb3AiOjAuMCwiTGVmdCI6MC4wLCJSaWdodCI6MC4wLCJCb3R0b20iOjAuMH0sIlBhZGRpbmciOnsiJGlkIjoiOTkiLCJUb3AiOjAuMCwiTGVmdCI6MC4wLCJSaWdodCI6MC4wLCJCb3R0b20iOjAuMH0sIkJhY2tncm91bmQiOnsiJGlkIjoiMTAwIiwiQ29sb3IiOnsiJGlkIjoiMTAxIiwiQSI6MCwiUiI6MjU1LCJHIjoyNTUsIkIiOjI1NX19LCJJc1Zpc2libGUiOnRydWUsIldpZHRoIjowLjAsIkhlaWdodCI6MC4wLCJCb3JkZXJTdHlsZSI6eyIkaWQiOiIxMDIiLCJMaW5lQ29sb3IiOm51bGwsIkxpbmVXZWlnaHQiOjAuMCwiTGluZVR5cGUiOjAsIlBhcmVudFN0eWxlIjpudWxsfSwiUGFyZW50U3R5bGUiOm51bGx9LCJEYXRlU3R5bGUiOnsiJGlkIjoiMTAzIiwiRm9udFNldHRpbmdzIjp7IiRpZCI6IjEwNCIsIkZvbnRTaXplIjoxMCwiRm9udE5hbWUiOiJDYWxpYnJpIiwiSXNCb2xkIjpmYWxzZSwiSXNJdGFsaWMiOmZhbHNlLCJJc1VuZGVybGluZWQiOmZhbHNlLCJQYXJlbnRTdHlsZSI6bnVsbH0sIkF1dG9TaXplIjowLCJGb3JlZ3JvdW5kIjp7IiRpZCI6IjEwNSIsIkNvbG9yIjp7IiRpZCI6IjEwNiIsIkEiOjI1NSwiUiI6NjgsIkciOjg0LCJCIjoxMDZ9fSwiTWF4V2lkdGgiOjIwMC4wLCJNYXhIZWlnaHQiOiJJbmZpbml0eSIsIlNtYXJ0Rm9yZWdyb3VuZElzQWN0aXZlIjpmYWxzZSwiSG9yaXpvbnRhbEFsaWdubWVudCI6MSwiVmVydGljYWxBbGlnbm1lbnQiOjAsIlNtYXJ0Rm9yZWdyb3VuZCI6bnVsbCwiQmFja2dyb3VuZEZpbGxUeXBlIjowLCJNYXJnaW4iOnsiJGlkIjoiMTA3IiwiVG9wIjowLjAsIkxlZnQiOjAuMCwiUmlnaHQiOjAuMCwiQm90dG9tIjowLjB9LCJQYWRkaW5nIjp7IiRpZCI6IjEwOCIsIlRvcCI6MC4wLCJMZWZ0IjowLjAsIlJpZ2h0IjowLjAsIkJvdHRvbSI6MC4wfSwiQmFja2dyb3VuZCI6eyIkaWQiOiIxMDkiLCJDb2xvciI6eyIkaWQiOiIxMTAiLCJBIjowLCJSIjoyNTUsIkciOjI1NSwiQiI6MjU1fX0sIklzVmlzaWJsZSI6dHJ1ZSwiV2lkdGgiOjAuMCwiSGVpZ2h0IjowLjAsIkJvcmRlclN0eWxlIjp7IiRpZCI6IjExMSIsIkxpbmVDb2xvciI6bnVsbCwiTGluZVdlaWdodCI6MC4wLCJMaW5lVHlwZSI6MCwiUGFyZW50U3R5bGUiOm51bGx9LCJQYXJlbnRTdHlsZSI6bnVsbH0sIkRhdGVGb3JtYXQiOnsiJGlkIjoiMTEyIiwiRm9ybWF0U3RyaW5nIjoiTU1NIGQiLCJTZXBhcmF0b3IiOiIvIiwiVXNlSW50ZXJuYXRpb25hbERhdGVGb3JtYXQiOmZhbHNlLCJEYXRlSXNWaXNpYmxlIjp0cnVlLCJUaW1lSXNWaXNpYmxlIjpmYWxzZSwiSG91ckRpZ2l0cyI6MSwiQW1QbURlc2lnbmF0b3IiOjIsIlRyaW0wME1pbnV0ZXMiOmZhbHNlLCJMYXN0S25vd25WaXNpYmlsaXR5U3RhdGUiOm51bGx9LCJXZWVrTnVtYmVyaW5nIjp7IiRpZCI6IjExMyIsIkZvcm1hdCI6MCwiSXNWaXNpYmxlIjpmYWxzZSwiTGFzdEtub3duVmlzaWJpbGl0eVN0YXRlIjpmYWxzZX0sIklzVmlzaWJsZSI6dHJ1ZSwiUGFyZW50U3R5bGUiOm51bGx9LCJJbmRleCI6MiwiU21hcnREdXJhdGlvbkFjdGl2YXRlZCI6ZmFsc2UsIkRhdGVGb3JtYXQiOnsiJHJlZiI6IjExMiJ9LCJXZWVrTnVtYmVyaW5nIjp7IiRpZCI6IjExNCIsIkZvcm1hdCI6MCwiSXNWaXNpYmxlIjpmYWxzZSwiTGFzdEtub3duVmlzaWJpbGl0eVN0YXRlIjpmYWxzZX0sIklkIjoiYWY2YmY2YzMtYjNlNS00YmRiLTg5NDQtYjgxYjk5OGE0NTVlIiwiSW1wb3J0SWQiOm51bGwsIlRpdGxlIjoiQ29uZmlndXJhdGlvbiBUb29sIFNldHVwIiwiTm90ZSI6bnVsbCwiSHlwZXJsaW5rIjp7IiRpZCI6IjExNSIsIkFkZHJlc3MiOiIiLCJTdWJBZGRyZXNzIjoiIn0sIklzQ2hhbmdlZCI6ZmFsc2UsIklzTmV3IjpmYWxzZX19XSwiX21pbGVzdG9uZXMiOltdLCJJZCI6IjAwMDAwMDAwLTAwMDAtMDAwMC0wMDAwLTAwMDAwMDAwMDAwMCIsIklzU2luZ2xlSXRlbVJvdyI6dHJ1ZX0seyIkaWQiOiIxMTYiLCJfdGFza3MiOlt7IiRpZCI6IjExNyIsIl9hdHRhY2hlZE1pbGVzdG9uZXMiOltdLCJUYXNrRGVmaW5pdGlvbiI6eyIkaWQiOiIxMTgiLCJHcm91cE5hbWUiOm51bGwsIlN0YXJ0RGF0ZSI6IjIwMjItMDQtMDlUMDA6MDA6MDBaIiwiRW5kRGF0ZSI6IjIwMjItMDQtMTVUMjM6NTk6MDBaIiwiUGVyY2VudGFnZUNvbXBsZXRlIjpudWxsLCJTdHlsZSI6eyIkaWQiOiIxMTkiLCJTaGFwZSI6MiwiU2hhcGVUaGlja25lc3MiOjEsIkR1cmF0aW9uRm9ybWF0IjowLCJJbmNsdWRlTm9uV29ya2luZ0RheXNJbkR1cmF0aW9uIjpmYWxzZSwiUGVyY2VudGFnZUNvbXBsZXRlU3R5bGUiOnsiJGlkIjoiMTIwIiwiRm9udFNldHRpbmdzIjp7IiRpZCI6IjEyMSIsIkZvbnRTaXplIjoxMCwiRm9udE5hbWUiOiJDYWxpYnJpIiwiSXNCb2xkIjpmYWxzZSwiSXNJdGFsaWMiOmZhbHNlLCJJc1VuZGVybGluZWQiOmZhbHNlLCJQYXJlbnRTdHlsZSI6bnVsbH0sIkF1dG9TaXplIjowLCJGb3JlZ3JvdW5kIjp7IiRyZWYiOiIxMCJ9LCJNYXhXaWR0aCI6MjAwLjAsIk1heEhlaWdodCI6IkluZmluaXR5IiwiU21hcnRGb3JlZ3JvdW5kSXNBY3RpdmUiOmZhbHNlLCJIb3Jpem9udGFsQWxpZ25tZW50IjowLCJWZXJ0aWNhbEFsaWdubWVudCI6MCwiU21hcnRGb3JlZ3JvdW5kIjpudWxsLCJCYWNrZ3JvdW5kRmlsbFR5cGUiOjAsIk1hcmdpbiI6eyIkaWQiOiIxMjIiLCJUb3AiOjAuMCwiTGVmdCI6MC4wLCJSaWdodCI6MC4wLCJCb3R0b20iOjAuMH0sIlBhZGRpbmciOnsiJGlkIjoiMTIzIiwiVG9wIjowLjAsIkxlZnQiOjAuMCwiUmlnaHQiOjAuMCwiQm90dG9tIjowLjB9LCJCYWNrZ3JvdW5kIjp7IiRpZCI6IjEyNCIsIkNvbG9yIjp7IiRpZCI6IjEyNSIsIkEiOjg5LCJSIjowLCJHIjowLCJCIjowfX0sIklzVmlzaWJsZSI6dHJ1ZSwiV2lkdGgiOjAuMCwiSGVpZ2h0IjowLjAsIkJvcmRlclN0eWxlIjp7IiRpZCI6IjEyNiIsIkxpbmVDb2xvciI6bnVsbCwiTGluZVdlaWdodCI6MC4wLCJMaW5lVHlwZSI6MCwiUGFyZW50U3R5bGUiOm51bGx9LCJQYXJlbnRTdHlsZSI6bnVsbH0sIkR1cmF0aW9uU3R5bGUiOnsiJGlkIjoiMTI3IiwiRm9udFNldHRpbmdzIjp7IiRpZCI6IjEyOCIsIkZvbnRTaXplIjoxMCwiRm9udE5hbWUiOiJDYWxpYnJpIiwiSXNCb2xkIjpmYWxzZSwiSXNJdGFsaWMiOmZhbHNlLCJJc1VuZGVybGluZWQiOmZhbHNlLCJQYXJlbnRTdHlsZSI6bnVsbH0sIkF1dG9TaXplIjowLCJGb3JlZ3JvdW5kIjp7IiRpZCI6IjEyOSIsIkNvbG9yIjp7IiRpZCI6IjEzMCIsIkEiOjI1NSwiUiI6MjM3LCJHIjoxMjUsIkIiOjQ5fX0sIk1heFdpZHRoIjoyMDAuMCwiTWF4SGVpZ2h0IjoiSW5maW5pdHkiLCJTbWFydEZvcmVncm91bmRJc0FjdGl2ZSI6ZmFsc2UsIkhvcml6b250YWxBbGlnbm1lbnQiOjAsIlZlcnRpY2FsQWxpZ25tZW50IjowLCJTbWFydEZvcmVncm91bmQiOm51bGwsIkJhY2tncm91bmRGaWxsVHlwZSI6MCwiTWFyZ2luIjp7IiRpZCI6IjEzMSIsIlRvcCI6MC4wLCJMZWZ0IjowLjAsIlJpZ2h0IjowLjAsIkJvdHRvbSI6MC4wfSwiUGFkZGluZyI6eyIkaWQiOiIxMzIiLCJUb3AiOjAuMCwiTGVmdCI6MC4wLCJSaWdodCI6MC4wLCJCb3R0b20iOjAuMH0sIkJhY2tncm91bmQiOnsiJGlkIjoiMTMzIiwiQ29sb3IiOnsiJHJlZiI6IjEyNSJ9fSwiSXNWaXNpYmxlIjp0cnVlLCJXaWR0aCI6MC4wLCJIZWlnaHQiOjAuMCwiQm9yZGVyU3R5bGUiOnsiJGlkIjoiMTM0IiwiTGluZUNvbG9yIjpudWxsLCJMaW5lV2VpZ2h0IjowLjAsIkxpbmVUeXBlIjowLCJQYXJlbnRTdHlsZSI6bnVsbH0sIlBhcmVudFN0eWxlIjpudWxsfSwiSG9yaXpvbnRhbENvbm5lY3RvclN0eWxlIjp7IiRpZCI6IjEzNSIsIkxpbmVDb2xvciI6eyIkaWQiOiIxMzYiLCIkdHlwZSI6Ik5MUkUuQ29tbW9uLkRvbS5Tb2xpZENvbG9yQnJ1c2gsIE5MUkUuQ29tbW9uIiwiQ29sb3IiOnsiJGlkIjoiMTM3IiwiQSI6MjU1LCJSIjoyMDQsIkciOjIwNCwiQiI6MjA0fX0sIkxpbmVXZWlnaHQiOjEuMCwiTGluZVR5cGUiOjAsIlBhcmVudFN0eWxlIjpudWxsfSwiVmVydGljYWxDb25uZWN0b3JTdHlsZSI6eyIkaWQiOiIxMzgiLCJMaW5lQ29sb3IiOnsiJGlkIjoiMTM5IiwiJHR5cGUiOiJOTFJFLkNvbW1vbi5Eb20uU29saWRDb2xvckJydXNoLCBOTFJFLkNvbW1vbiIsIkNvbG9yIjp7IiRpZCI6IjE0MCIsIkEiOjI1NSwiUiI6MjA0LCJHIjoyMDQsIkIiOjIwNH19LCJMaW5lV2VpZ2h0IjowLjAsIkxpbmVUeXBlIjowLCJQYXJlbnRTdHlsZSI6bnVsbH0sIk1hcmdpbiI6bnVsbCwiU3RhcnREYXRlUG9zaXRpb24iOjMsIkVuZERhdGVQb3NpdGlvbiI6NCwiRGF0ZUlzVmlzaWJsZSI6dHJ1ZSwiVGl0bGVQb3NpdGlvbiI6MiwiRHVyYXRpb25Qb3NpdGlvbiI6NiwiUGVyY2VudGFnZUNvbXBsZXRlZFBvc2l0aW9uIjo2LCJTcGFjaW5nIjo1LCJJc0JlbG93VGltZWJhbmQiOnRydWUsIlBlcmNlbnRhZ2VDb21wbGV0ZVNoYXBlT3BhY2l0eSI6MzUsIlNoYXBlU3R5bGUiOnsiJGlkIjoiMTQxIiwiTWFyZ2luIjp7IiRpZCI6IjE0MiIsIlRvcCI6MC4wLCJMZWZ0Ijo0LjAsIlJpZ2h0Ijo0LjAsIkJvdHRvbSI6MC4wfSwiUGFkZGluZyI6eyIkaWQiOiIxNDMiLCJUb3AiOjAuMCwiTGVmdCI6MC4wLCJSaWdodCI6MC4wLCJCb3R0b20iOjAuMH0sIkJhY2tncm91bmQiOnsiJGlkIjoiMTQ0IiwiQ29sb3IiOnsiJGlkIjoiMTQ1IiwiQSI6MjU1LCJSIjo5MSwiRyI6MTU1LCJCIjoyMTN9fSwiSXNWaXNpYmxlIjp0cnVlLCJXaWR0aCI6MC4wLCJIZWlnaHQiOjE2LjAsIkJvcmRlclN0eWxlIjp7IiRpZCI6IjE0NiIsIkxpbmVDb2xvciI6eyIkaWQiOiIxNDciLCIkdHlwZSI6Ik5MUkUuQ29tbW9uLkRvbS5Tb2xpZENvbG9yQnJ1c2gsIE5MUkUuQ29tbW9uIiwiQ29sb3IiOnsiJGlkIjoiMTQ4IiwiQSI6MjU1LCJSIjoyNTUsIkciOjAsIkIiOjB9fSwiTGluZVdlaWdodCI6MC4wLCJMaW5lVHlwZSI6MCwiUGFyZW50U3R5bGUiOm51bGx9LCJQYXJlbnRTdHlsZSI6bnVsbH0sIlRpdGxlU3R5bGUiOnsiJGlkIjoiMTQ5IiwiRm9udFNldHRpbmdzIjp7IiRpZCI6IjE1MCIsIkZvbnRTaXplIjoxMSwiRm9udE5hbWUiOiJDYWxpYnJpIiwiSXNCb2xkIjp0cnVlLCJJc0l0YWxpYyI6ZmFsc2UsIklzVW5kZXJsaW5lZCI6ZmFsc2UsIlBhcmVudFN0eWxlIjpudWxsfSwiQXV0b1NpemUiOjAsIkZvcmVncm91bmQiOnsiJGlkIjoiMTUxIiwiQ29sb3IiOnsiJGlkIjoiMTUyIiwiQSI6MjU1LCJSIjowLCJHIjowLCJCIjowfX0sIk1heFdpZHRoIjo3MjAuMCwiTWF4SGVpZ2h0IjoiSW5maW5pdHkiLCJTbWFydEZvcmVncm91bmRJc0FjdGl2ZSI6ZmFsc2UsIkhvcml6b250YWxBbGlnbm1lbnQiOjEsIlZlcnRpY2FsQWxpZ25tZW50IjowLCJTbWFydEZvcmVncm91bmQiOm51bGwsIkJhY2tncm91bmRGaWxsVHlwZSI6MCwiTWFyZ2luIjp7IiRpZCI6IjE1MyIsIlRvcCI6MC4wLCJMZWZ0IjowLjAsIlJpZ2h0IjowLjAsIkJvdHRvbSI6MC4wfSwiUGFkZGluZyI6eyIkaWQiOiIxNTQiLCJUb3AiOjAuMCwiTGVmdCI6MC4wLCJSaWdodCI6MC4wLCJCb3R0b20iOjAuMH0sIkJhY2tncm91bmQiOnsiJGlkIjoiMTU1IiwiQ29sb3IiOnsiJGlkIjoiMTU2IiwiQSI6MCwiUiI6MjU1LCJHIjoyNTUsIkIiOjI1NX19LCJJc1Zpc2libGUiOnRydWUsIldpZHRoIjowLjAsIkhlaWdodCI6MC4wLCJCb3JkZXJTdHlsZSI6eyIkaWQiOiIxNTciLCJMaW5lQ29sb3IiOm51bGwsIkxpbmVXZWlnaHQiOjAuMCwiTGluZVR5cGUiOjAsIlBhcmVudFN0eWxlIjpudWxsfSwiUGFyZW50U3R5bGUiOm51bGx9LCJEYXRlU3R5bGUiOnsiJGlkIjoiMTU4IiwiRm9udFNldHRpbmdzIjp7IiRpZCI6IjE1OSIsIkZvbnRTaXplIjoxMCwiRm9udE5hbWUiOiJDYWxpYnJpIiwiSXNCb2xkIjpmYWxzZSwiSXNJdGFsaWMiOmZhbHNlLCJJc1VuZGVybGluZWQiOmZhbHNlLCJQYXJlbnRTdHlsZSI6bnVsbH0sIkF1dG9TaXplIjowLCJGb3JlZ3JvdW5kIjp7IiRpZCI6IjE2MCIsIkNvbG9yIjp7IiRpZCI6IjE2MSIsIkEiOjI1NSwiUiI6NjgsIkciOjg0LCJCIjoxMDZ9fSwiTWF4V2lkdGgiOjIwMC4wLCJNYXhIZWlnaHQiOiJJbmZpbml0eSIsIlNtYXJ0Rm9yZWdyb3VuZElzQWN0aXZlIjpmYWxzZSwiSG9yaXpvbnRhbEFsaWdubWVudCI6MSwiVmVydGljYWxBbGlnbm1lbnQiOjAsIlNtYXJ0Rm9yZWdyb3VuZCI6bnVsbCwiQmFja2dyb3VuZEZpbGxUeXBlIjowLCJNYXJnaW4iOnsiJGlkIjoiMTYyIiwiVG9wIjowLjAsIkxlZnQiOjAuMCwiUmlnaHQiOjAuMCwiQm90dG9tIjowLjB9LCJQYWRkaW5nIjp7IiRpZCI6IjE2MyIsIlRvcCI6MC4wLCJMZWZ0IjowLjAsIlJpZ2h0IjowLjAsIkJvdHRvbSI6MC4wfSwiQmFja2dyb3VuZCI6eyIkaWQiOiIxNjQiLCJDb2xvciI6eyIkaWQiOiIxNjUiLCJBIjowLCJSIjoyNTUsIkciOjI1NSwiQiI6MjU1fX0sIklzVmlzaWJsZSI6dHJ1ZSwiV2lkdGgiOjAuMCwiSGVpZ2h0IjowLjAsIkJvcmRlclN0eWxlIjp7IiRpZCI6IjE2NiIsIkxpbmVDb2xvciI6bnVsbCwiTGluZVdlaWdodCI6MC4wLCJMaW5lVHlwZSI6MCwiUGFyZW50U3R5bGUiOm51bGx9LCJQYXJlbnRTdHlsZSI6bnVsbH0sIkRhdGVGb3JtYXQiOnsiJGlkIjoiMTY3IiwiRm9ybWF0U3RyaW5nIjoiTU1NIGQiLCJTZXBhcmF0b3IiOiIvIiwiVXNlSW50ZXJuYXRpb25hbERhdGVGb3JtYXQiOmZhbHNlLCJEYXRlSXNWaXNpYmxlIjp0cnVlLCJUaW1lSXNWaXNpYmxlIjpmYWxzZSwiSG91ckRpZ2l0cyI6MSwiQW1QbURlc2lnbmF0b3IiOjIsIlRyaW0wME1pbnV0ZXMiOmZhbHNlLCJMYXN0S25vd25WaXNpYmlsaXR5U3RhdGUiOm51bGx9LCJXZWVrTnVtYmVyaW5nIjp7IiRpZCI6IjE2OCIsIkZvcm1hdCI6MCwiSXNWaXNpYmxlIjpmYWxzZSwiTGFzdEtub3duVmlzaWJpbGl0eVN0YXRlIjpmYWxzZX0sIklzVmlzaWJsZSI6dHJ1ZSwiUGFyZW50U3R5bGUiOm51bGx9LCJJbmRleCI6MywiU21hcnREdXJhdGlvbkFjdGl2YXRlZCI6ZmFsc2UsIkRhdGVGb3JtYXQiOnsiJHJlZiI6IjE2NyJ9LCJXZWVrTnVtYmVyaW5nIjp7IiRpZCI6IjE2OSIsIkZvcm1hdCI6MCwiSXNWaXNpYmxlIjpmYWxzZSwiTGFzdEtub3duVmlzaWJpbGl0eVN0YXRlIjpmYWxzZX0sIklkIjoiYzEyMWZlZTktMGZmYi00YmU5LWEwODMtYTBkMWQwMDVhZGQ2IiwiSW1wb3J0SWQiOm51bGwsIlRpdGxlIjoiU1JTIiwiTm90ZSI6bnVsbCwiSHlwZXJsaW5rIjp7IiRpZCI6IjE3MCIsIkFkZHJlc3MiOiIiLCJTdWJBZGRyZXNzIjoiIn0sIklzQ2hhbmdlZCI6ZmFsc2UsIklzTmV3IjpmYWxzZX19XSwiX21pbGVzdG9uZXMiOltdLCJJZCI6IjAwMDAwMDAwLTAwMDAtMDAwMC0wMDAwLTAwMDAwMDAwMDAwMCIsIklzU2luZ2xlSXRlbVJvdyI6dHJ1ZX1dLCJJbmRleCI6MCwiSWQiOiJhOTVhZTBhOC04MWMwLTQ3ZGMtYWMzOS0zMWU2ZjcyMDE2MzciLCJIZWFkZXJUZXh0IjpudWxsLCJJc0RlZmF1bHQiOnRydWUsIlN0eWxlIjp7IiRpZCI6IjE3MSIsIkhlYWRlclN0eWxlIjp7IiRpZCI6IjE3MiIsIlRleHRTdHlsZSI6eyIkaWQiOiIxNzMiLCJGb250U2V0dGluZ3MiOnsiJGlkIjoiMTc0IiwiRm9udFNpemUiOjExLCJGb250TmFtZSI6IkNhbGlicmkiLCJJc0JvbGQiOmZhbHNlLCJJc0l0YWxpYyI6ZmFsc2UsIklzVW5kZXJsaW5lZCI6ZmFsc2UsIlBhcmVudFN0eWxlIjpudWxsfSwiQXV0b1NpemUiOjIsIkZvcmVncm91bmQiOnsiJGlkIjoiMTc1IiwiQ29sb3IiOnsiJGlkIjoiMTc2IiwiQSI6MjU1LCJSIjowLCJHIjowLCJCIjowfX0sIk1heFdpZHRoIjowLjAsIk1heEhlaWdodCI6IkluZmluaXR5IiwiU21hcnRGb3JlZ3JvdW5kSXNBY3RpdmUiOmZhbHNlLCJIb3Jpem9udGFsQWxpZ25tZW50IjowLCJWZXJ0aWNhbEFsaWdubWVudCI6MCwiU21hcnRGb3JlZ3JvdW5kIjpudWxsLCJCYWNrZ3JvdW5kRmlsbFR5cGUiOjAsIk1hcmdpbiI6eyIkaWQiOiIxNzciLCJUb3AiOjAuMCwiTGVmdCI6MC4wLCJSaWdodCI6MC4wLCJCb3R0b20iOjAuMH0sIlBhZGRpbmciOnsiJGlkIjoiMTc4IiwiVG9wIjowLjAsIkxlZnQiOjAuMCwiUmlnaHQiOjAuMCwiQm90dG9tIjowLjB9LCJCYWNrZ3JvdW5kIjpudWxsLCJJc1Zpc2libGUiOnRydWUsIldpZHRoIjowLjAsIkhlaWdodCI6MC4wLCJCb3JkZXJTdHlsZSI6bnVsbCwiUGFyZW50U3R5bGUiOm51bGx9LCJSZWN0YW5nbGVTdHlsZSI6eyIkaWQiOiIxNzkiLCJNYXJnaW4iOnsiJGlkIjoiMTgwIiwiVG9wIjowLjAsIkxlZnQiOjAuMCwiUmlnaHQiOjAuMCwiQm90dG9tIjowLjB9LCJQYWRkaW5nIjp7IiRpZCI6IjE4MSIsIlRvcCI6MC4wLCJMZWZ0IjowLjAsIlJpZ2h0IjowLjAsIkJvdHRvbSI6MC4wfSwiQmFja2dyb3VuZCI6eyIkaWQiOiIxODIiLCJDb2xvciI6eyIkaWQiOiIxODMiLCJBIjo2MywiUiI6OTEsIkciOjE1NSwiQiI6MjEzfX0sIklzVmlzaWJsZSI6dHJ1ZSwiV2lkdGgiOjAuMCwiSGVpZ2h0IjowLjAsIkJvcmRlclN0eWxlIjp7IiRpZCI6IjE4NCIsIkxpbmVDb2xvciI6eyIkaWQiOiIxODUiLCIkdHlwZSI6Ik5MUkUuQ29tbW9uLkRvbS5Tb2xpZENvbG9yQnJ1c2gsIE5MUkUuQ29tbW9uIiwiQ29sb3IiOnsiJGlkIjoiMTg2IiwiQSI6MjU1LCJSIjoyNTUsIkciOjAsIkIiOjB9fSwiTGluZVdlaWdodCI6MC4wLCJMaW5lVHlwZSI6MCwiUGFyZW50U3R5bGUiOm51bGx9LCJQYXJlbnRTdHlsZSI6bnVsbH0sIk1hcmdpbiI6eyIkaWQiOiIxODciLCJUb3AiOjAuMCwiTGVmdCI6MC4wLCJSaWdodCI6MC4wLCJCb3R0b20iOjAuMH0sIlBhZGRpbmciOnsiJGlkIjoiMTg4IiwiVG9wIjowLjAsIkxlZnQiOjAuMCwiUmlnaHQiOjAuMCwiQm90dG9tIjowLjB9LCJCYWNrZ3JvdW5kIjpudWxsLCJJc1Zpc2libGUiOnRydWUsIldpZHRoIjowLjAsIkhlaWdodCI6MC4wLCJCb3JkZXJTdHlsZSI6bnVsbCwiUGFyZW50U3R5bGUiOm51bGx9LCJCYWNrZ3JvdW5kU3R5bGUiOnsiJGlkIjoiMTg5IiwiTWFyZ2luIjp7IiRpZCI6IjE5MCIsIlRvcCI6MC4wLCJMZWZ0IjowLjAsIlJpZ2h0IjowLjAsIkJvdHRvbSI6MC4wfSwiUGFkZGluZyI6eyIkaWQiOiIxOTEiLCJUb3AiOjAuMCwiTGVmdCI6MC4wLCJSaWdodCI6MC4wLCJCb3R0b20iOjAuMH0sIkJhY2tncm91bmQiOnsiJGlkIjoiMTkyIiwiQ29sb3IiOnsiJGlkIjoiMTkzIiwiQSI6NTEsIlIiOjE2NSwiRyI6MTY1LCJCIjoxNjV9fSwiSXNWaXNpYmxlIjp0cnVlLCJXaWR0aCI6MC4wLCJIZWlnaHQiOjAuMCwiQm9yZGVyU3R5bGUiOnsiJGlkIjoiMTk0IiwiTGluZUNvbG9yIjp7IiRpZCI6IjE5NSIsIiR0eXBlIjoiTkxSRS5Db21tb24uRG9tLlNvbGlkQ29sb3JCcnVzaCwgTkxSRS5Db21tb24iLCJDb2xvciI6eyIkaWQiOiIxOTYiLCJBIjoyNTUsIlIiOjI1NSwiRyI6MCwiQiI6MH19LCJMaW5lV2VpZ2h0IjowLjAsIkxpbmVUeXBlIjowLCJQYXJlbnRTdHlsZSI6bnVsbH0sIlBhcmVudFN0eWxlIjpudWxsfSwiTWFyZ2luIjp7IiRpZCI6IjE5NyIsIlRvcCI6MC4wLCJMZWZ0IjowLjAsIlJpZ2h0IjowLjAsIkJvdHRvbSI6MC4wfSwiUGFkZGluZyI6eyIkaWQiOiIxOTgiLCJUb3AiOjAuMCwiTGVmdCI6MC4wLCJSaWdodCI6MC4wLCJCb3R0b20iOjAuMH0sIklzVmlzaWJsZSI6ZmFsc2UsIldpZHRoIjowLjAsIkhlaWdodCI6MC4wLCJCb3JkZXJTdHlsZSI6bnVsbCwiUGFyZW50U3R5bGUiOm51bGx9fV0sIklkIjoiOTNiMGIwOGYtZmUwYi00NzYzLWJmNGQtZjkzOGYzOGRmNzE3IiwiSW5kZXgiOjAsIkhlYWRlclRleHQiOiJQcm9qZWN0IFBsYW5uaW5nIiwiU3R5bGUiOnsiJGlkIjoiMTk5IiwiSGVhZGVyU3R5bGUiOnsiJGlkIjoiMjAwIiwiVGV4dElzVmVydGljYWwiOmZhbHNlLCJUZXh0U3R5bGUiOnsiJGlkIjoiMjAxIiwiRm9udFNldHRpbmdzIjp7IiRpZCI6IjIwMiIsIkZvbnRTaXplIjoxMiwiRm9udE5hbWUiOiJDYWxpYnJpIiwiSXNCb2xkIjpmYWxzZSwiSXNJdGFsaWMiOmZhbHNlLCJJc1VuZGVybGluZWQiOmZhbHNlLCJQYXJlbnRTdHlsZSI6bnVsbH0sIkF1dG9TaXplIjoyLCJGb3JlZ3JvdW5kIjp7IiRpZCI6IjIwMyIsIkNvbG9yIjp7IiRpZCI6IjIwNCIsIkEiOjI1NSwiUiI6MjU1LCJHIjoyNTUsIkIiOjI1NX19LCJNYXhXaWR0aCI6MTYwLjAsIk1heEhlaWdodCI6IkluZmluaXR5IiwiU21hcnRGb3JlZ3JvdW5kSXNBY3RpdmUiOmZhbHNlLCJIb3Jpem9udGFsQWxpZ25tZW50IjowLCJWZXJ0aWNhbEFsaWdubWVudCI6MCwiU21hcnRGb3JlZ3JvdW5kIjpudWxsLCJCYWNrZ3JvdW5kRmlsbFR5cGUiOjAsIk1hcmdpbiI6eyIkaWQiOiIyMDUiLCJUb3AiOjAuMCwiTGVmdCI6MC4wLCJSaWdodCI6MC4wLCJCb3R0b20iOjAuMH0sIlBhZGRpbmciOnsiJGlkIjoiMjA2IiwiVG9wIjowLjAsIkxlZnQiOjAuMCwiUmlnaHQiOjAuMCwiQm90dG9tIjowLjB9LCJCYWNrZ3JvdW5kIjpudWxsLCJJc1Zpc2libGUiOnRydWUsIldpZHRoIjowLjAsIkhlaWdodCI6MC4wLCJCb3JkZXJTdHlsZSI6bnVsbCwiUGFyZW50U3R5bGUiOm51bGx9LCJSZWN0YW5nbGVTdHlsZSI6eyIkaWQiOiIyMDciLCJNYXJnaW4iOnsiJGlkIjoiMjA4IiwiVG9wIjowLjAsIkxlZnQiOjAuMCwiUmlnaHQiOjAuMCwiQm90dG9tIjowLjB9LCJQYWRkaW5nIjp7IiRpZCI6IjIwOSIsIlRvcCI6MC4wLCJMZWZ0IjowLjAsIlJpZ2h0IjowLjAsIkJvdHRvbSI6MC4wfSwiQmFja2dyb3VuZCI6eyIkaWQiOiIyMTAiLCJDb2xvciI6eyIkaWQiOiIyMTEiLCJBIjoyNTUsIlIiOjkxLCJHIjoxNTUsIkIiOjIxM319LCJJc1Zpc2libGUiOnRydWUsIldpZHRoIjowLjAsIkhlaWdodCI6MC4wLCJCb3JkZXJTdHlsZSI6eyIkaWQiOiIyMTIiLCJMaW5lQ29sb3IiOnsiJGlkIjoiMjEzIiwiJHR5cGUiOiJOTFJFLkNvbW1vbi5Eb20uU29saWRDb2xvckJydXNoLCBOTFJFLkNvbW1vbiIsIkNvbG9yIjp7IiRpZCI6IjIxNCIsIkEiOjI1NSwiUiI6MjU1LCJHIjowLCJCIjowfX0sIkxpbmVXZWlnaHQiOjAuMCwiTGluZVR5cGUiOjAsIlBhcmVudFN0eWxlIjpudWxsfSwiUGFyZW50U3R5bGUiOm51bGx9LCJNYXJnaW4iOnsiJGlkIjoiMjE1IiwiVG9wIjowLjAsIkxlZnQiOjAuMCwiUmlnaHQiOjAuMCwiQm90dG9tIjowLjB9LCJQYWRkaW5nIjp7IiRpZCI6IjIxNiIsIlRvcCI6MC4wLCJMZWZ0IjowLjAsIlJpZ2h0IjowLjAsIkJvdHRvbSI6MC4wfSwiQmFja2dyb3VuZCI6bnVsbCwiSXNWaXNpYmxlIjp0cnVlLCJXaWR0aCI6MC4wLCJIZWlnaHQiOjAuMCwiQm9yZGVyU3R5bGUiOm51bGwsIlBhcmVudFN0eWxlIjpudWxsfSwiQmFja2dyb3VuZFN0eWxlIjp7IiRpZCI6IjIxNyIsIk1hcmdpbiI6eyIkaWQiOiIyMTgiLCJUb3AiOjAuMCwiTGVmdCI6MC4wLCJSaWdodCI6MC4wLCJCb3R0b20iOjAuMH0sIlBhZGRpbmciOnsiJGlkIjoiMjE5IiwiVG9wIjowLjAsIkxlZnQiOjAuMCwiUmlnaHQiOjAuMCwiQm90dG9tIjowLjB9LCJCYWNrZ3JvdW5kIjp7IiRpZCI6IjIyMCIsIkNvbG9yIjp7IiRpZCI6IjIyMSIsIkEiOjUxLCJSIjoxNjUsIkciOjE2NSwiQiI6MTY1fX0sIklzVmlzaWJsZSI6dHJ1ZSwiV2lkdGgiOjAuMCwiSGVpZ2h0IjowLjAsIkJvcmRlclN0eWxlIjp7IiRpZCI6IjIyMiIsIkxpbmVDb2xvciI6eyIkaWQiOiIyMjMiLCIkdHlwZSI6Ik5MUkUuQ29tbW9uLkRvbS5Tb2xpZENvbG9yQnJ1c2gsIE5MUkUuQ29tbW9uIiwiQ29sb3IiOnsiJGlkIjoiMjI0IiwiQSI6MjU1LCJSIjoyNTUsIkciOjAsIkIiOjB9fSwiTGluZVdlaWdodCI6MC4wLCJMaW5lVHlwZSI6MCwiUGFyZW50U3R5bGUiOm51bGx9LCJQYXJlbnRTdHlsZSI6bnVsbH0sIklzQWJvdmVUaW1lYmFuZCI6ZmFsc2UsIk1hcmdpbiI6eyIkaWQiOiIyMjUiLCJUb3AiOjAuMCwiTGVmdCI6MC4wLCJSaWdodCI6MC4wLCJCb3R0b20iOjAuMH0sIlBhZGRpbmciOnsiJGlkIjoiMjI2IiwiVG9wIjowLjAsIkxlZnQiOjAuMCwiUmlnaHQiOjAuMCwiQm90dG9tIjowLjB9LCJJc1Zpc2libGUiOnRydWUsIldpZHRoIjowLjAsIkhlaWdodCI6MC4wLCJCb3JkZXJTdHlsZSI6eyIkaWQiOiIyMjciLCJMaW5lQ29sb3IiOm51bGwsIkxpbmVXZWlnaHQiOjAuMCwiTGluZVR5cGUiOjAsIlBhcmVudFN0eWxlIjpudWxsfSwiUGFyZW50U3R5bGUiOm51bGx9fSx7IiRpZCI6IjIyOCIsIl9hY3Rpdml0aWVzIjpbeyIkaWQiOiIyMjkiLCJfcm93cyI6W3siJGlkIjoiMjMwIiwiX3Rhc2tzIjpbeyIkaWQiOiIyMzEiLCJfYXR0YWNoZWRNaWxlc3RvbmVzIjpbXSwiVGFza0RlZmluaXRpb24iOnsiJGlkIjoiMjMyIiwiR3JvdXBOYW1lIjpudWxsLCJTdGFydERhdGUiOiIyMDIyLTA0LTE5VDAwOjAwOjAwWiIsIkVuZERhdGUiOiIyMDIyLTA0LTIxVDIzOjU5OjAwWiIsIlBlcmNlbnRhZ2VDb21wbGV0ZSI6bnVsbCwiU3R5bGUiOnsiJGlkIjoiMjMzIiwiU2hhcGUiOjEsIlNoYXBlVGhpY2tuZXNzIjoxLCJEdXJhdGlvbkZvcm1hdCI6MCwiSW5jbHVkZU5vbldvcmtpbmdEYXlzSW5EdXJhdGlvbiI6ZmFsc2UsIlBlcmNlbnRhZ2VDb21wbGV0ZVN0eWxlIjp7IiRpZCI6IjIzNCIsIkZvbnRTZXR0aW5ncyI6eyIkaWQiOiIyMzUiLCJGb250U2l6ZSI6MTAsIkZvbnROYW1lIjoiQ2FsaWJyaSIsIklzQm9sZCI6ZmFsc2UsIklzSXRhbGljIjpmYWxzZSwiSXNVbmRlcmxpbmVkIjpmYWxzZSwiUGFyZW50U3R5bGUiOm51bGx9LCJBdXRvU2l6ZSI6MCwiRm9yZWdyb3VuZCI6eyIkcmVmIjoiMTAifSwiTWF4V2lkdGgiOjIwMC4wLCJNYXhIZWlnaHQiOiJJbmZpbml0eSIsIlNtYXJ0Rm9yZWdyb3VuZElzQWN0aXZlIjpmYWxzZSwiSG9yaXpvbnRhbEFsaWdubWVudCI6MCwiVmVydGljYWxBbGlnbm1lbnQiOjAsIlNtYXJ0Rm9yZWdyb3VuZCI6bnVsbCwiQmFja2dyb3VuZEZpbGxUeXBlIjowLCJNYXJnaW4iOnsiJHJlZiI6IjY3In0sIlBhZGRpbmciOnsiJHJlZiI6IjY4In0sIkJhY2tncm91bmQiOnsiJHJlZiI6IjY5In0sIklzVmlzaWJsZSI6dHJ1ZSwiV2lkdGgiOjAuMCwiSGVpZ2h0IjowLjAsIkJvcmRlclN0eWxlIjp7IiRpZCI6IjIzNiIsIkxpbmVDb2xvciI6bnVsbCwiTGluZVdlaWdodCI6MC4wLCJMaW5lVHlwZSI6MCwiUGFyZW50U3R5bGUiOm51bGx9LCJQYXJlbnRTdHlsZSI6bnVsbH0sIkR1cmF0aW9uU3R5bGUiOnsiJGlkIjoiMjM3IiwiRm9udFNldHRpbmdzIjp7IiRpZCI6IjIzOCIsIkZvbnRTaXplIjoxMCwiRm9udE5hbWUiOiJDYWxpYnJpIiwiSXNCb2xkIjpmYWxzZSwiSXNJdGFsaWMiOmZhbHNlLCJJc1VuZGVybGluZWQiOmZhbHNlLCJQYXJlbnRTdHlsZSI6bnVsbH0sIkF1dG9TaXplIjowLCJGb3JlZ3JvdW5kIjp7IiRyZWYiOiI3NCJ9LCJNYXhXaWR0aCI6MjAwLjAsIk1heEhlaWdodCI6IkluZmluaXR5IiwiU21hcnRGb3JlZ3JvdW5kSXNBY3RpdmUiOmZhbHNlLCJIb3Jpem9udGFsQWxpZ25tZW50IjowLCJWZXJ0aWNhbEFsaWdubWVudCI6MCwiU21hcnRGb3JlZ3JvdW5kIjpudWxsLCJCYWNrZ3JvdW5kRmlsbFR5cGUiOjAsIk1hcmdpbiI6eyIkcmVmIjoiNzYifSwiUGFkZGluZyI6eyIkcmVmIjoiNzcifSwiQmFja2dyb3VuZCI6eyIkcmVmIjoiNzgifSwiSXNWaXNpYmxlIjp0cnVlLCJXaWR0aCI6MC4wLCJIZWlnaHQiOjAuMCwiQm9yZGVyU3R5bGUiOnsiJGlkIjoiMjM5IiwiTGluZUNvbG9yIjpudWxsLCJMaW5lV2VpZ2h0IjowLjAsIkxpbmVUeXBlIjowLCJQYXJlbnRTdHlsZSI6bnVsbH0sIlBhcmVudFN0eWxlIjpudWxsfSwiSG9yaXpvbnRhbENvbm5lY3RvclN0eWxlIjp7IiRpZCI6IjI0MCIsIkxpbmVDb2xvciI6eyIkcmVmIjoiODEifSwiTGluZVdlaWdodCI6MS4wLCJMaW5lVHlwZSI6MCwiUGFyZW50U3R5bGUiOm51bGx9LCJWZXJ0aWNhbENvbm5lY3RvclN0eWxlIjp7IiRpZCI6IjI0MSIsIkxpbmVDb2xvciI6eyIkcmVmIjoiODQifSwiTGluZVdlaWdodCI6MC4wLCJMaW5lVHlwZSI6MCwiUGFyZW50U3R5bGUiOm51bGx9LCJNYXJnaW4iOm51bGwsIlN0YXJ0RGF0ZVBvc2l0aW9uIjozLCJFbmREYXRlUG9zaXRpb24iOjQsIkRhdGVJc1Zpc2libGUiOnRydWUsIlRpdGxlUG9zaXRpb24iOjAsIkR1cmF0aW9uUG9zaXRpb24iOjYsIlBlcmNlbnRhZ2VDb21wbGV0ZWRQb3NpdGlvbiI6NiwiU3BhY2luZyI6NSwiSXNCZWxvd1RpbWViYW5kIjp0cnVlLCJQZXJjZW50YWdlQ29tcGxldGVTaGFwZU9wYWNpdHkiOjM1LCJTaGFwZVN0eWxlIjp7IiRpZCI6IjI0MiIsIk1hcmdpbiI6eyIkcmVmIjoiODcifSwiUGFkZGluZyI6eyIkcmVmIjoiODgifSwiQmFja2dyb3VuZCI6eyIkaWQiOiIyNDMiLCJDb2xvciI6eyIkaWQiOiIyNDQiLCJBIjoyNTUsIlIiOjI2LCJHIjoxNzAsIkIiOjY2fX0sIklzVmlzaWJsZSI6dHJ1ZSwiV2lkdGgiOjAuMCwiSGVpZ2h0IjoxNi4wLCJCb3JkZXJTdHlsZSI6eyIkaWQiOiIyNDUiLCJMaW5lQ29sb3IiOnsiJGlkIjoiMjQ2IiwiJHR5cGUiOiJOTFJFLkNvbW1vbi5Eb20uU29saWRDb2xvckJydXNoLCBOTFJFLkNvbW1vbiIsIkNvbG9yIjp7IiRpZCI6IjI0NyIsIkEiOjI1NSwiUiI6MjU1LCJHIjowLCJCIjowfX0sIkxpbmVXZWlnaHQiOjAuMCwiTGluZVR5cGUiOjAsIlBhcmVudFN0eWxlIjpudWxsfSwiUGFyZW50U3R5bGUiOm51bGx9LCJUaXRsZVN0eWxlIjp7IiRpZCI6IjI0OCIsIkZvbnRTZXR0aW5ncyI6eyIkaWQiOiIyNDkiLCJGb250U2l6ZSI6MTEsIkZvbnROYW1lIjoiQ2FsaWJyaSIsIklzQm9sZCI6dHJ1ZSwiSXNJdGFsaWMiOmZhbHNlLCJJc1VuZGVybGluZWQiOmZhbHNlLCJQYXJlbnRTdHlsZSI6bnVsbH0sIkF1dG9TaXplIjowLCJGb3JlZ3JvdW5kIjp7IiRpZCI6IjI1MCIsIkNvbG9yIjp7IiRpZCI6IjI1MSIsIkEiOjI1NSwiUiI6MCwiRyI6MCwiQiI6MH19LCJNYXhXaWR0aCI6NzIwLjAsIk1heEhlaWdodCI6IkluZmluaXR5IiwiU21hcnRGb3JlZ3JvdW5kSXNBY3RpdmUiOmZhbHNlLCJIb3Jpem9udGFsQWxpZ25tZW50IjowLCJWZXJ0aWNhbEFsaWdubWVudCI6MCwiU21hcnRGb3JlZ3JvdW5kIjpudWxsLCJCYWNrZ3JvdW5kRmlsbFR5cGUiOjAsIk1hcmdpbiI6eyIkcmVmIjoiOTgifSwiUGFkZGluZyI6eyIkcmVmIjoiOTkifSwiQmFja2dyb3VuZCI6eyIkaWQiOiIyNTIiLCJDb2xvciI6eyIkaWQiOiIyNTMiLCJBIjowLCJSIjoyNTUsIkciOjI1NSwiQiI6MjU1fX0sIklzVmlzaWJsZSI6dHJ1ZSwiV2lkdGgiOjAuMCwiSGVpZ2h0IjowLjAsIkJvcmRlclN0eWxlIjp7IiRpZCI6IjI1NCIsIkxpbmVDb2xvciI6bnVsbCwiTGluZVdlaWdodCI6MC4wLCJMaW5lVHlwZSI6MCwiUGFyZW50U3R5bGUiOm51bGx9LCJQYXJlbnRTdHlsZSI6bnVsbH0sIkRhdGVTdHlsZSI6eyIkaWQiOiIyNTUiLCJGb250U2V0dGluZ3MiOnsiJGlkIjoiMjU2IiwiRm9udFNpemUiOjEwLCJGb250TmFtZSI6IkNhbGlicmkiLCJJc0JvbGQiOmZhbHNlLCJJc0l0YWxpYyI6ZmFsc2UsIklzVW5kZXJsaW5lZCI6ZmFsc2UsIlBhcmVudFN0eWxlIjpudWxsfSwiQXV0b1NpemUiOjAsIkZvcmVncm91bmQiOnsiJGlkIjoiMjU3IiwiQ29sb3IiOnsiJGlkIjoiMjU4IiwiQSI6MjU1LCJSIjo2OCwiRyI6ODQsIkIiOjEwNn19LCJNYXhXaWR0aCI6MjAwLjAsIk1heEhlaWdodCI6IkluZmluaXR5IiwiU21hcnRGb3JlZ3JvdW5kSXNBY3RpdmUiOmZhbHNlLCJIb3Jpem9udGFsQWxpZ25tZW50IjoxLCJWZXJ0aWNhbEFsaWdubWVudCI6MCwiU21hcnRGb3JlZ3JvdW5kIjpudWxsLCJCYWNrZ3JvdW5kRmlsbFR5cGUiOjAsIk1hcmdpbiI6eyIkcmVmIjoiMTA3In0sIlBhZGRpbmciOnsiJHJlZiI6IjEwOCJ9LCJCYWNrZ3JvdW5kIjp7IiRpZCI6IjI1OSIsIkNvbG9yIjp7IiRpZCI6IjI2MCIsIkEiOjAsIlIiOjI1NSwiRyI6MjU1LCJCIjoyNTV9fSwiSXNWaXNpYmxlIjp0cnVlLCJXaWR0aCI6MC4wLCJIZWlnaHQiOjAuMCwiQm9yZGVyU3R5bGUiOnsiJGlkIjoiMjYxIiwiTGluZUNvbG9yIjpudWxsLCJMaW5lV2VpZ2h0IjowLjAsIkxpbmVUeXBlIjowLCJQYXJlbnRTdHlsZSI6bnVsbH0sIlBhcmVudFN0eWxlIjpudWxsfSwiRGF0ZUZvcm1hdCI6eyIkaWQiOiIyNjIiLCJGb3JtYXRTdHJpbmciOiJNTU0gZCIsIlNlcGFyYXRvciI6Ii8iLCJVc2VJbnRlcm5hdGlvbmFsRGF0ZUZvcm1hdCI6ZmFsc2UsIkRhdGVJc1Zpc2libGUiOnRydWUsIlRpbWVJc1Zpc2libGUiOmZhbHNlLCJIb3VyRGlnaXRzIjoxLCJBbVBtRGVzaWduYXRvciI6MiwiVHJpbTAwTWludXRlcyI6ZmFsc2UsIkxhc3RLbm93blZpc2liaWxpdHlTdGF0ZSI6bnVsbH0sIldlZWtOdW1iZXJpbmciOnsiJGlkIjoiMjYzIiwiRm9ybWF0IjowLCJJc1Zpc2libGUiOmZhbHNlLCJMYXN0S25vd25WaXNpYmlsaXR5U3RhdGUiOmZhbHNlfSwiSXNWaXNpYmxlIjp0cnVlLCJQYXJlbnRTdHlsZSI6bnVsbH0sIkluZGV4Ijo1LCJTbWFydER1cmF0aW9uQWN0aXZhdGVkIjpmYWxzZSwiRGF0ZUZvcm1hdCI6eyIkcmVmIjoiMjYyIn0sIldlZWtOdW1iZXJpbmciOnsiJGlkIjoiMjY0IiwiRm9ybWF0IjowLCJJc1Zpc2libGUiOmZhbHNlLCJMYXN0S25vd25WaXNpYmlsaXR5U3RhdGUiOmZhbHNlfSwiSWQiOiI1YjUxMmJjZC05NmVhLTQ3YTUtYjNhZi03OTNlNmU5YTNkYjMiLCJJbXBvcnRJZCI6bnVsbCwiVGl0bGUiOiJXaXJlRnJhbWUiLCJOb3RlIjpudWxsLCJIeXBlcmxpbmsiOnsiJGlkIjoiMjY1IiwiQWRkcmVzcyI6IiIsIlN1YkFkZHJlc3MiOiIifSwiSXNDaGFuZ2VkIjpmYWxzZSwiSXNOZXciOmZhbHNlfX1dLCJfbWlsZXN0b25lcyI6W10sIklkIjoiMDAwMDAwMDAtMDAwMC0wMDAwLTAwMDAtMDAwMDAwMDAwMDAwIiwiSXNTaW5nbGVJdGVtUm93Ijp0cnVlfSx7IiRpZCI6IjI2NiIsIl90YXNrcyI6W3siJGlkIjoiMjY3IiwiX2F0dGFjaGVkTWlsZXN0b25lcyI6W10sIlRhc2tEZWZpbml0aW9uIjp7IiRpZCI6IjI2OCIsIkdyb3VwTmFtZSI6bnVsbCwiU3RhcnREYXRlIjoiMjAyMi0wNC0yM1QwMDowMDowMFoiLCJFbmREYXRlIjoiMjAyMi0wNC0yNlQyMzo1OTowMFoiLCJQZXJjZW50YWdlQ29tcGxldGUiOm51bGwsIlN0eWxlIjp7IiRpZCI6IjI2OSIsIlNoYXBlIjoxLCJTaGFwZVRoaWNrbmVzcyI6MSwiRHVyYXRpb25Gb3JtYXQiOjAsIkluY2x1ZGVOb25Xb3JraW5nRGF5c0luRHVyYXRpb24iOmZhbHNlLCJQZXJjZW50YWdlQ29tcGxldGVTdHlsZSI6eyIkaWQiOiIyNzAiLCJGb250U2V0dGluZ3MiOnsiJGlkIjoiMjcxIiwiRm9udFNpemUiOjEwLCJGb250TmFtZSI6IkNhbGlicmkiLCJJc0JvbGQiOmZhbHNlLCJJc0l0YWxpYyI6ZmFsc2UsIklzVW5kZXJsaW5lZCI6ZmFsc2UsIlBhcmVudFN0eWxlIjpudWxsfSwiQXV0b1NpemUiOjAsIkZvcmVncm91bmQiOnsiJHJlZiI6IjEwIn0sIk1heFdpZHRoIjoyMDAuMCwiTWF4SGVpZ2h0IjoiSW5maW5pdHkiLCJTbWFydEZvcmVncm91bmRJc0FjdGl2ZSI6ZmFsc2UsIkhvcml6b250YWxBbGlnbm1lbnQiOjAsIlZlcnRpY2FsQWxpZ25tZW50IjowLCJTbWFydEZvcmVncm91bmQiOm51bGwsIkJhY2tncm91bmRGaWxsVHlwZSI6MCwiTWFyZ2luIjp7IiRyZWYiOiI2NyJ9LCJQYWRkaW5nIjp7IiRyZWYiOiI2OCJ9LCJCYWNrZ3JvdW5kIjp7IiRyZWYiOiI2OSJ9LCJJc1Zpc2libGUiOnRydWUsIldpZHRoIjowLjAsIkhlaWdodCI6MC4wLCJCb3JkZXJTdHlsZSI6eyIkaWQiOiIyNzIiLCJMaW5lQ29sb3IiOm51bGwsIkxpbmVXZWlnaHQiOjAuMCwiTGluZVR5cGUiOjAsIlBhcmVudFN0eWxlIjpudWxsfSwiUGFyZW50U3R5bGUiOm51bGx9LCJEdXJhdGlvblN0eWxlIjp7IiRpZCI6IjI3MyIsIkZvbnRTZXR0aW5ncyI6eyIkaWQiOiIyNzQiLCJGb250U2l6ZSI6MTAsIkZvbnROYW1lIjoiQ2FsaWJyaSIsIklzQm9sZCI6ZmFsc2UsIklzSXRhbGljIjpmYWxzZSwiSXNVbmRlcmxpbmVkIjpmYWxzZSwiUGFyZW50U3R5bGUiOm51bGx9LCJBdXRvU2l6ZSI6MCwiRm9yZWdyb3VuZCI6eyIkcmVmIjoiNzQifSwiTWF4V2lkdGgiOjIwMC4wLCJNYXhIZWlnaHQiOiJJbmZpbml0eSIsIlNtYXJ0Rm9yZWdyb3VuZElzQWN0aXZlIjpmYWxzZSwiSG9yaXpvbnRhbEFsaWdubWVudCI6MCwiVmVydGljYWxBbGlnbm1lbnQiOjAsIlNtYXJ0Rm9yZWdyb3VuZCI6bnVsbCwiQmFja2dyb3VuZEZpbGxUeXBlIjowLCJNYXJnaW4iOnsiJHJlZiI6Ijc2In0sIlBhZGRpbmciOnsiJHJlZiI6Ijc3In0sIkJhY2tncm91bmQiOnsiJHJlZiI6Ijc4In0sIklzVmlzaWJsZSI6dHJ1ZSwiV2lkdGgiOjAuMCwiSGVpZ2h0IjowLjAsIkJvcmRlclN0eWxlIjp7IiRpZCI6IjI3NSIsIkxpbmVDb2xvciI6bnVsbCwiTGluZVdlaWdodCI6MC4wLCJMaW5lVHlwZSI6MCwiUGFyZW50U3R5bGUiOm51bGx9LCJQYXJlbnRTdHlsZSI6bnVsbH0sIkhvcml6b250YWxDb25uZWN0b3JTdHlsZSI6eyIkaWQiOiIyNzYiLCJMaW5lQ29sb3IiOnsiJHJlZiI6IjgxIn0sIkxpbmVXZWlnaHQiOjEuMCwiTGluZVR5cGUiOjAsIlBhcmVudFN0eWxlIjpudWxsfSwiVmVydGljYWxDb25uZWN0b3JTdHlsZSI6eyIkaWQiOiIyNzciLCJMaW5lQ29sb3IiOnsiJHJlZiI6Ijg0In0sIkxpbmVXZWlnaHQiOjAuMCwiTGluZVR5cGUiOjAsIlBhcmVudFN0eWxlIjpudWxsfSwiTWFyZ2luIjpudWxsLCJTdGFydERhdGVQb3NpdGlvbiI6MywiRW5kRGF0ZVBvc2l0aW9uIjo0LCJEYXRlSXNWaXNpYmxlIjp0cnVlLCJUaXRsZVBvc2l0aW9uIjowLCJEdXJhdGlvblBvc2l0aW9uIjo2LCJQZXJjZW50YWdlQ29tcGxldGVkUG9zaXRpb24iOjYsIlNwYWNpbmciOjUsIklzQmVsb3dUaW1lYmFuZCI6dHJ1ZSwiUGVyY2VudGFnZUNvbXBsZXRlU2hhcGVPcGFjaXR5IjozNSwiU2hhcGVTdHlsZSI6eyIkaWQiOiIyNzgiLCJNYXJnaW4iOnsiJHJlZiI6Ijg3In0sIlBhZGRpbmciOnsiJHJlZiI6Ijg4In0sIkJhY2tncm91bmQiOnsiJGlkIjoiMjc5IiwiQ29sb3IiOnsiJGlkIjoiMjgwIiwiQSI6MjU1LCJSIjoyNiwiRyI6MTcwLCJCIjo2Nn19LCJJc1Zpc2libGUiOnRydWUsIldpZHRoIjowLjAsIkhlaWdodCI6MTYuMCwiQm9yZGVyU3R5bGUiOnsiJGlkIjoiMjgxIiwiTGluZUNvbG9yIjp7IiRpZCI6IjI4MiIsIiR0eXBlIjoiTkxSRS5Db21tb24uRG9tLlNvbGlkQ29sb3JCcnVzaCwgTkxSRS5Db21tb24iLCJDb2xvciI6eyIkaWQiOiIyODMiLCJBIjoyNTUsIlIiOjI1NSwiRyI6MCwiQiI6MH19LCJMaW5lV2VpZ2h0IjowLjAsIkxpbmVUeXBlIjowLCJQYXJlbnRTdHlsZSI6bnVsbH0sIlBhcmVudFN0eWxlIjpudWxsfSwiVGl0bGVTdHlsZSI6eyIkaWQiOiIyODQiLCJGb250U2V0dGluZ3MiOnsiJGlkIjoiMjg1IiwiRm9udFNpemUiOjExLCJGb250TmFtZSI6IkNhbGlicmkiLCJJc0JvbGQiOnRydWUsIklzSXRhbGljIjpmYWxzZSwiSXNVbmRlcmxpbmVkIjpmYWxzZSwiUGFyZW50U3R5bGUiOm51bGx9LCJBdXRvU2l6ZSI6MCwiRm9yZWdyb3VuZCI6eyIkaWQiOiIyODYiLCJDb2xvciI6eyIkaWQiOiIyODciLCJBIjoyNTUsIlIiOjAsIkciOjAsIkIiOjB9fSwiTWF4V2lkdGgiOjcyMC4wLCJNYXhIZWlnaHQiOiJJbmZpbml0eSIsIlNtYXJ0Rm9yZWdyb3VuZElzQWN0aXZlIjpmYWxzZSwiSG9yaXpvbnRhbEFsaWdubWVudCI6MCwiVmVydGljYWxBbGlnbm1lbnQiOjAsIlNtYXJ0Rm9yZWdyb3VuZCI6bnVsbCwiQmFja2dyb3VuZEZpbGxUeXBlIjowLCJNYXJnaW4iOnsiJHJlZiI6Ijk4In0sIlBhZGRpbmciOnsiJHJlZiI6Ijk5In0sIkJhY2tncm91bmQiOnsiJGlkIjoiMjg4IiwiQ29sb3IiOnsiJGlkIjoiMjg5IiwiQSI6MCwiUiI6MjU1LCJHIjoyNTUsIkIiOjI1NX19LCJJc1Zpc2libGUiOnRydWUsIldpZHRoIjowLjAsIkhlaWdodCI6MC4wLCJCb3JkZXJTdHlsZSI6eyIkaWQiOiIyOTAiLCJMaW5lQ29sb3IiOm51bGwsIkxpbmVXZWlnaHQiOjAuMCwiTGluZVR5cGUiOjAsIlBhcmVudFN0eWxlIjpudWxsfSwiUGFyZW50U3R5bGUiOm51bGx9LCJEYXRlU3R5bGUiOnsiJGlkIjoiMjkxIiwiRm9udFNldHRpbmdzIjp7IiRpZCI6IjI5MiIsIkZvbnRTaXplIjoxMCwiRm9udE5hbWUiOiJDYWxpYnJpIiwiSXNCb2xkIjpmYWxzZSwiSXNJdGFsaWMiOmZhbHNlLCJJc1VuZGVybGluZWQiOmZhbHNlLCJQYXJlbnRTdHlsZSI6bnVsbH0sIkF1dG9TaXplIjowLCJGb3JlZ3JvdW5kIjp7IiRpZCI6IjI5MyIsIkNvbG9yIjp7IiRpZCI6IjI5NCIsIkEiOjI1NSwiUiI6NjgsIkciOjg0LCJCIjoxMDZ9fSwiTWF4V2lkdGgiOjIwMC4wLCJNYXhIZWlnaHQiOiJJbmZpbml0eSIsIlNtYXJ0Rm9yZWdyb3VuZElzQWN0aXZlIjpmYWxzZSwiSG9yaXpvbnRhbEFsaWdubWVudCI6MSwiVmVydGljYWxBbGlnbm1lbnQiOjAsIlNtYXJ0Rm9yZWdyb3VuZCI6bnVsbCwiQmFja2dyb3VuZEZpbGxUeXBlIjowLCJNYXJnaW4iOnsiJHJlZiI6IjEwNyJ9LCJQYWRkaW5nIjp7IiRyZWYiOiIxMDgifSwiQmFja2dyb3VuZCI6eyIkaWQiOiIyOTUiLCJDb2xvciI6eyIkaWQiOiIyOTYiLCJBIjowLCJSIjoyNTUsIkciOjI1NSwiQiI6MjU1fX0sIklzVmlzaWJsZSI6dHJ1ZSwiV2lkdGgiOjAuMCwiSGVpZ2h0IjowLjAsIkJvcmRlclN0eWxlIjp7IiRpZCI6IjI5NyIsIkxpbmVDb2xvciI6bnVsbCwiTGluZVdlaWdodCI6MC4wLCJMaW5lVHlwZSI6MCwiUGFyZW50U3R5bGUiOm51bGx9LCJQYXJlbnRTdHlsZSI6bnVsbH0sIkRhdGVGb3JtYXQiOnsiJGlkIjoiMjk4IiwiRm9ybWF0U3RyaW5nIjoiTU1NIGQiLCJTZXBhcmF0b3IiOiIvIiwiVXNlSW50ZXJuYXRpb25hbERhdGVGb3JtYXQiOmZhbHNlLCJEYXRlSXNWaXNpYmxlIjp0cnVlLCJUaW1lSXNWaXNpYmxlIjpmYWxzZSwiSG91ckRpZ2l0cyI6MSwiQW1QbURlc2lnbmF0b3IiOjIsIlRyaW0wME1pbnV0ZXMiOmZhbHNlLCJMYXN0S25vd25WaXNpYmlsaXR5U3RhdGUiOm51bGx9LCJXZWVrTnVtYmVyaW5nIjp7IiRpZCI6IjI5OSIsIkZvcm1hdCI6MCwiSXNWaXNpYmxlIjpmYWxzZSwiTGFzdEtub3duVmlzaWJpbGl0eVN0YXRlIjpmYWxzZX0sIklzVmlzaWJsZSI6dHJ1ZSwiUGFyZW50U3R5bGUiOm51bGx9LCJJbmRleCI6NiwiU21hcnREdXJhdGlvbkFjdGl2YXRlZCI6ZmFsc2UsIkRhdGVGb3JtYXQiOnsiJHJlZiI6IjI5OCJ9LCJXZWVrTnVtYmVyaW5nIjp7IiRpZCI6IjMwMCIsIkZvcm1hdCI6MCwiSXNWaXNpYmxlIjpmYWxzZSwiTGFzdEtub3duVmlzaWJpbGl0eVN0YXRlIjpmYWxzZX0sIklkIjoiZWFlMDJmNmItNDQ5My00NDMxLTljYTgtYmIzMDVlZjg3NWEzIiwiSW1wb3J0SWQiOm51bGwsIlRpdGxlIjoiU2VxdWVuY2UgRGlhZ3JhbSIsIk5vdGUiOm51bGwsIkh5cGVybGluayI6eyIkaWQiOiIzMDEiLCJBZGRyZXNzIjoiIiwiU3ViQWRkcmVzcyI6IiJ9LCJJc0NoYW5nZWQiOmZhbHNlLCJJc05ldyI6ZmFsc2V9fV0sIl9taWxlc3RvbmVzIjpbXSwiSWQiOiIwMDAwMDAwMC0wMDAwLTAwMDAtMDAwMC0wMDAwMDAwMDAwMDAiLCJJc1NpbmdsZUl0ZW1Sb3ciOnRydWV9XSwiSW5kZXgiOjQsIklkIjoiZGMwNzZmY2QtZDFiZS00MjA3LWI1ZjktMzgxNWIzOGNkOTFlIiwiSGVhZGVyVGV4dCI6bnVsbCwiSXNEZWZhdWx0Ijp0cnVlLCJTdHlsZSI6eyIkaWQiOiIzMDIiLCJIZWFkZXJTdHlsZSI6eyIkaWQiOiIzMDMiLCJUZXh0U3R5bGUiOnsiJGlkIjoiMzA0IiwiRm9udFNldHRpbmdzIjp7IiRpZCI6IjMwNSIsIkZvbnRTaXplIjoxMSwiRm9udE5hbWUiOiJDYWxpYnJpIiwiSXNCb2xkIjpmYWxzZSwiSXNJdGFsaWMiOmZhbHNlLCJJc1VuZGVybGluZWQiOmZhbHNlLCJQYXJlbnRTdHlsZSI6bnVsbH0sIkF1dG9TaXplIjoyLCJGb3JlZ3JvdW5kIjp7IiRpZCI6IjMwNiIsIkNvbG9yIjp7IiRpZCI6IjMwNyIsIkEiOjI1NSwiUiI6MCwiRyI6MCwiQiI6MH19LCJNYXhXaWR0aCI6MC4wLCJNYXhIZWlnaHQiOiJJbmZpbml0eSIsIlNtYXJ0Rm9yZWdyb3VuZElzQWN0aXZlIjpmYWxzZSwiSG9yaXpvbnRhbEFsaWdubWVudCI6MCwiVmVydGljYWxBbGlnbm1lbnQiOjAsIlNtYXJ0Rm9yZWdyb3VuZCI6bnVsbCwiQmFja2dyb3VuZEZpbGxUeXBlIjowLCJNYXJnaW4iOnsiJGlkIjoiMzA4IiwiVG9wIjowLjAsIkxlZnQiOjAuMCwiUmlnaHQiOjAuMCwiQm90dG9tIjowLjB9LCJQYWRkaW5nIjp7IiRpZCI6IjMwOSIsIlRvcCI6MC4wLCJMZWZ0IjowLjAsIlJpZ2h0IjowLjAsIkJvdHRvbSI6MC4wfSwiQmFja2dyb3VuZCI6bnVsbCwiSXNWaXNpYmxlIjp0cnVlLCJXaWR0aCI6MC4wLCJIZWlnaHQiOjAuMCwiQm9yZGVyU3R5bGUiOm51bGwsIlBhcmVudFN0eWxlIjpudWxsfSwiUmVjdGFuZ2xlU3R5bGUiOnsiJGlkIjoiMzEwIiwiTWFyZ2luIjp7IiRpZCI6IjMxMSIsIlRvcCI6MC4wLCJMZWZ0IjowLjAsIlJpZ2h0IjowLjAsIkJvdHRvbSI6MC4wfSwiUGFkZGluZyI6eyIkaWQiOiIzMTIiLCJUb3AiOjAuMCwiTGVmdCI6MC4wLCJSaWdodCI6MC4wLCJCb3R0b20iOjAuMH0sIkJhY2tncm91bmQiOnsiJGlkIjoiMzEzIiwiQ29sb3IiOnsiJGlkIjoiMzE0IiwiQSI6NjMsIlIiOjIzNywiRyI6MTI1LCJCIjo0OX19LCJJc1Zpc2libGUiOnRydWUsIldpZHRoIjowLjAsIkhlaWdodCI6MC4wLCJCb3JkZXJTdHlsZSI6eyIkaWQiOiIzMTUiLCJMaW5lQ29sb3IiOnsiJGlkIjoiMzE2IiwiJHR5cGUiOiJOTFJFLkNvbW1vbi5Eb20uU29saWRDb2xvckJydXNoLCBOTFJFLkNvbW1vbiIsIkNvbG9yIjp7IiRpZCI6IjMxNyIsIkEiOjI1NSwiUiI6MjU1LCJHIjowLCJCIjowfX0sIkxpbmVXZWlnaHQiOjAuMCwiTGluZVR5cGUiOjAsIlBhcmVudFN0eWxlIjpudWxsfSwiUGFyZW50U3R5bGUiOm51bGx9LCJNYXJnaW4iOnsiJGlkIjoiMzE4IiwiVG9wIjowLjAsIkxlZnQiOjAuMCwiUmlnaHQiOjAuMCwiQm90dG9tIjowLjB9LCJQYWRkaW5nIjp7IiRpZCI6IjMxOSIsIlRvcCI6MC4wLCJMZWZ0IjowLjAsIlJpZ2h0IjowLjAsIkJvdHRvbSI6MC4wfSwiQmFja2dyb3VuZCI6bnVsbCwiSXNWaXNpYmxlIjp0cnVlLCJXaWR0aCI6MC4wLCJIZWlnaHQiOjAuMCwiQm9yZGVyU3R5bGUiOm51bGwsIlBhcmVudFN0eWxlIjpudWxsfSwiQmFja2dyb3VuZFN0eWxlIjp7IiRpZCI6IjMyMCIsIk1hcmdpbiI6eyIkaWQiOiIzMjEiLCJUb3AiOjAuMCwiTGVmdCI6MC4wLCJSaWdodCI6MC4wLCJCb3R0b20iOjAuMH0sIlBhZGRpbmciOnsiJGlkIjoiMzIyIiwiVG9wIjowLjAsIkxlZnQiOjAuMCwiUmlnaHQiOjAuMCwiQm90dG9tIjowLjB9LCJCYWNrZ3JvdW5kIjp7IiRpZCI6IjMyMyIsIkNvbG9yIjp7IiRpZCI6IjMyNCIsIkEiOjUxLCJSIjoxNjUsIkciOjE2NSwiQiI6MTY1fX0sIklzVmlzaWJsZSI6dHJ1ZSwiV2lkdGgiOjAuMCwiSGVpZ2h0IjowLjAsIkJvcmRlclN0eWxlIjp7IiRpZCI6IjMyNSIsIkxpbmVDb2xvciI6eyIkaWQiOiIzMjYiLCIkdHlwZSI6Ik5MUkUuQ29tbW9uLkRvbS5Tb2xpZENvbG9yQnJ1c2gsIE5MUkUuQ29tbW9uIiwiQ29sb3IiOnsiJGlkIjoiMzI3IiwiQSI6MjU1LCJSIjoyNTUsIkciOjAsIkIiOjB9fSwiTGluZVdlaWdodCI6MC4wLCJMaW5lVHlwZSI6MCwiUGFyZW50U3R5bGUiOm51bGx9LCJQYXJlbnRTdHlsZSI6bnVsbH0sIk1hcmdpbiI6eyIkaWQiOiIzMjgiLCJUb3AiOjAuMCwiTGVmdCI6MC4wLCJSaWdodCI6MC4wLCJCb3R0b20iOjAuMH0sIlBhZGRpbmciOnsiJGlkIjoiMzI5IiwiVG9wIjowLjAsIkxlZnQiOjAuMCwiUmlnaHQiOjAuMCwiQm90dG9tIjowLjB9LCJJc1Zpc2libGUiOmZhbHNlLCJXaWR0aCI6MC4wLCJIZWlnaHQiOjAuMCwiQm9yZGVyU3R5bGUiOm51bGwsIlBhcmVudFN0eWxlIjpudWxsfX1dLCJJZCI6ImUyMGFjNmMzLWNhMGYtNDVkZC1iYjQ5LTViMThhYmExOGEzZCIsIkluZGV4Ijo0LCJIZWFkZXJUZXh0IjoiU29mdHdhcmUgQXJjaGl0ZWN0dXJlIiwiU3R5bGUiOnsiJGlkIjoiMzMwIiwiSGVhZGVyU3R5bGUiOnsiJGlkIjoiMzMxIiwiVGV4dElzVmVydGljYWwiOmZhbHNlLCJUZXh0U3R5bGUiOnsiJGlkIjoiMzMyIiwiRm9udFNldHRpbmdzIjp7IiRpZCI6IjMzMyIsIkZvbnRTaXplIjoxMiwiRm9udE5hbWUiOiJDYWxpYnJpIiwiSXNCb2xkIjpmYWxzZSwiSXNJdGFsaWMiOmZhbHNlLCJJc1VuZGVybGluZWQiOmZhbHNlLCJQYXJlbnRTdHlsZSI6bnVsbH0sIkF1dG9TaXplIjoyLCJGb3JlZ3JvdW5kIjp7IiRyZWYiOiIyMDMifSwiTWF4V2lkdGgiOjE2MC4wLCJNYXhIZWlnaHQiOiJJbmZpbml0eSIsIlNtYXJ0Rm9yZWdyb3VuZElzQWN0aXZlIjpmYWxzZSwiSG9yaXpvbnRhbEFsaWdubWVudCI6MCwiVmVydGljYWxBbGlnbm1lbnQiOjAsIlNtYXJ0Rm9yZWdyb3VuZCI6bnVsbCwiQmFja2dyb3VuZEZpbGxUeXBlIjowLCJNYXJnaW4iOnsiJHJlZiI6IjIwNSJ9LCJQYWRkaW5nIjp7IiRyZWYiOiIyMDYifSwiQmFja2dyb3VuZCI6bnVsbCwiSXNWaXNpYmxlIjp0cnVlLCJXaWR0aCI6MC4wLCJIZWlnaHQiOjAuMCwiQm9yZGVyU3R5bGUiOm51bGwsIlBhcmVudFN0eWxlIjpudWxsfSwiUmVjdGFuZ2xlU3R5bGUiOnsiJGlkIjoiMzM0IiwiTWFyZ2luIjp7IiRpZCI6IjMzNSIsIlRvcCI6MC4wLCJMZWZ0IjowLjAsIlJpZ2h0IjowLjAsIkJvdHRvbSI6MC4wfSwiUGFkZGluZyI6eyIkaWQiOiIzMzYiLCJUb3AiOjAuMCwiTGVmdCI6MC4wLCJSaWdodCI6MC4wLCJCb3R0b20iOjAuMH0sIkJhY2tncm91bmQiOnsiJGlkIjoiMzM3IiwiQ29sb3IiOnsiJGlkIjoiMzM4IiwiQSI6MjU1LCJSIjoyMzcsIkciOjEyNSwiQiI6NDl9fSwiSXNWaXNpYmxlIjp0cnVlLCJXaWR0aCI6MC4wLCJIZWlnaHQiOjAuMCwiQm9yZGVyU3R5bGUiOnsiJGlkIjoiMzM5IiwiTGluZUNvbG9yIjp7IiRpZCI6IjM0MCIsIiR0eXBlIjoiTkxSRS5Db21tb24uRG9tLlNvbGlkQ29sb3JCcnVzaCwgTkxSRS5Db21tb24iLCJDb2xvciI6eyIkaWQiOiIzNDEiLCJBIjoyNTUsIlIiOjI1NSwiRyI6MCwiQiI6MH19LCJMaW5lV2VpZ2h0IjowLjAsIkxpbmVUeXBlIjowLCJQYXJlbnRTdHlsZSI6bnVsbH0sIlBhcmVudFN0eWxlIjpudWxsfSwiTWFyZ2luIjp7IiRpZCI6IjM0MiIsIlRvcCI6MC4wLCJMZWZ0IjowLjAsIlJpZ2h0IjowLjAsIkJvdHRvbSI6MC4wfSwiUGFkZGluZyI6eyIkaWQiOiIzNDMiLCJUb3AiOjAuMCwiTGVmdCI6MC4wLCJSaWdodCI6MC4wLCJCb3R0b20iOjAuMH0sIkJhY2tncm91bmQiOm51bGwsIklzVmlzaWJsZSI6dHJ1ZSwiV2lkdGgiOjAuMCwiSGVpZ2h0IjowLjAsIkJvcmRlclN0eWxlIjpudWxsLCJQYXJlbnRTdHlsZSI6bnVsbH0sIkJhY2tncm91bmRTdHlsZSI6eyIkaWQiOiIzNDQiLCJNYXJnaW4iOnsiJGlkIjoiMzQ1IiwiVG9wIjowLjAsIkxlZnQiOjAuMCwiUmlnaHQiOjAuMCwiQm90dG9tIjowLjB9LCJQYWRkaW5nIjp7IiRpZCI6IjM0NiIsIlRvcCI6MC4wLCJMZWZ0IjowLjAsIlJpZ2h0IjowLjAsIkJvdHRvbSI6MC4wfSwiQmFja2dyb3VuZCI6eyIkaWQiOiIzNDciLCJDb2xvciI6eyIkaWQiOiIzNDgiLCJBIjo1MSwiUiI6MTY1LCJHIjoxNjUsIkIiOjE2NX19LCJJc1Zpc2libGUiOnRydWUsIldpZHRoIjowLjAsIkhlaWdodCI6MC4wLCJCb3JkZXJTdHlsZSI6eyIkaWQiOiIzNDkiLCJMaW5lQ29sb3IiOnsiJGlkIjoiMzUwIiwiJHR5cGUiOiJOTFJFLkNvbW1vbi5Eb20uU29saWRDb2xvckJydXNoLCBOTFJFLkNvbW1vbiIsIkNvbG9yIjp7IiRpZCI6IjM1MSIsIkEiOjI1NSwiUiI6MjU1LCJHIjowLCJCIjowfX0sIkxpbmVXZWlnaHQiOjAuMCwiTGluZVR5cGUiOjAsIlBhcmVudFN0eWxlIjpudWxsfSwiUGFyZW50U3R5bGUiOm51bGx9LCJJc0Fib3ZlVGltZWJhbmQiOmZhbHNlLCJNYXJnaW4iOnsiJGlkIjoiMzUyIiwiVG9wIjowLjAsIkxlZnQiOjAuMCwiUmlnaHQiOjAuMCwiQm90dG9tIjowLjB9LCJQYWRkaW5nIjp7IiRpZCI6IjM1MyIsIlRvcCI6MC4wLCJMZWZ0IjowLjAsIlJpZ2h0IjowLjAsIkJvdHRvbSI6MC4wfSwiSXNWaXNpYmxlIjp0cnVlLCJXaWR0aCI6MC4wLCJIZWlnaHQiOjAuMCwiQm9yZGVyU3R5bGUiOnsiJGlkIjoiMzU0IiwiTGluZUNvbG9yIjpudWxsLCJMaW5lV2VpZ2h0IjowLjAsIkxpbmVUeXBlIjowLCJQYXJlbnRTdHlsZSI6bnVsbH0sIlBhcmVudFN0eWxlIjpudWxsfX0seyIkaWQiOiIzNTUiLCJfYWN0aXZpdGllcyI6W3siJGlkIjoiMzU2IiwiX3Jvd3MiOlt7IiRpZCI6IjM1NyIsIl90YXNrcyI6W3siJGlkIjoiMzU4IiwiX2F0dGFjaGVkTWlsZXN0b25lcyI6W10sIlRhc2tEZWZpbml0aW9uIjp7IiRpZCI6IjM1OSIsIkdyb3VwTmFtZSI6bnVsbCwiU3RhcnREYXRlIjoiMjAyMi0wNC0yNFQwMDowMDowMFoiLCJFbmREYXRlIjoiMjAyMi0wNC0yOVQyMzo1OTowMFoiLCJQZXJjZW50YWdlQ29tcGxldGUiOm51bGwsIlN0eWxlIjp7IiRpZCI6IjM2MCIsIlNoYXBlIjoxLCJTaGFwZVRoaWNrbmVzcyI6MSwiRHVyYXRpb25Gb3JtYXQiOjAsIkluY2x1ZGVOb25Xb3JraW5nRGF5c0luRHVyYXRpb24iOmZhbHNlLCJQZXJjZW50YWdlQ29tcGxldGVTdHlsZSI6eyIkaWQiOiIzNjEiLCJGb250U2V0dGluZ3MiOnsiJGlkIjoiMzYyIiwiRm9udFNpemUiOjEwLCJGb250TmFtZSI6IkNhbGlicmkiLCJJc0JvbGQiOmZhbHNlLCJJc0l0YWxpYyI6ZmFsc2UsIklzVW5kZXJsaW5lZCI6ZmFsc2UsIlBhcmVudFN0eWxlIjpudWxsfSwiQXV0b1NpemUiOjAsIkZvcmVncm91bmQiOnsiJHJlZiI6IjEwIn0sIk1heFdpZHRoIjoyMDAuMCwiTWF4SGVpZ2h0IjoiSW5maW5pdHkiLCJTbWFydEZvcmVncm91bmRJc0FjdGl2ZSI6ZmFsc2UsIkhvcml6b250YWxBbGlnbm1lbnQiOjAsIlZlcnRpY2FsQWxpZ25tZW50IjowLCJTbWFydEZvcmVncm91bmQiOm51bGwsIkJhY2tncm91bmRGaWxsVHlwZSI6MCwiTWFyZ2luIjp7IiRyZWYiOiI2NyJ9LCJQYWRkaW5nIjp7IiRyZWYiOiI2OCJ9LCJCYWNrZ3JvdW5kIjp7IiRyZWYiOiI2OSJ9LCJJc1Zpc2libGUiOnRydWUsIldpZHRoIjowLjAsIkhlaWdodCI6MC4wLCJCb3JkZXJTdHlsZSI6eyIkaWQiOiIzNjMiLCJMaW5lQ29sb3IiOm51bGwsIkxpbmVXZWlnaHQiOjAuMCwiTGluZVR5cGUiOjAsIlBhcmVudFN0eWxlIjpudWxsfSwiUGFyZW50U3R5bGUiOm51bGx9LCJEdXJhdGlvblN0eWxlIjp7IiRpZCI6IjM2NCIsIkZvbnRTZXR0aW5ncyI6eyIkaWQiOiIzNjUiLCJGb250U2l6ZSI6MTAsIkZvbnROYW1lIjoiQ2FsaWJyaSIsIklzQm9sZCI6ZmFsc2UsIklzSXRhbGljIjpmYWxzZSwiSXNVbmRlcmxpbmVkIjpmYWxzZSwiUGFyZW50U3R5bGUiOm51bGx9LCJBdXRvU2l6ZSI6MCwiRm9yZWdyb3VuZCI6eyIkcmVmIjoiNzQifSwiTWF4V2lkdGgiOjIwMC4wLCJNYXhIZWlnaHQiOiJJbmZpbml0eSIsIlNtYXJ0Rm9yZWdyb3VuZElzQWN0aXZlIjpmYWxzZSwiSG9yaXpvbnRhbEFsaWdubWVudCI6MCwiVmVydGljYWxBbGlnbm1lbnQiOjAsIlNtYXJ0Rm9yZWdyb3VuZCI6bnVsbCwiQmFja2dyb3VuZEZpbGxUeXBlIjowLCJNYXJnaW4iOnsiJHJlZiI6Ijc2In0sIlBhZGRpbmciOnsiJHJlZiI6Ijc3In0sIkJhY2tncm91bmQiOnsiJHJlZiI6Ijc4In0sIklzVmlzaWJsZSI6dHJ1ZSwiV2lkdGgiOjAuMCwiSGVpZ2h0IjowLjAsIkJvcmRlclN0eWxlIjp7IiRpZCI6IjM2NiIsIkxpbmVDb2xvciI6bnVsbCwiTGluZVdlaWdodCI6MC4wLCJMaW5lVHlwZSI6MCwiUGFyZW50U3R5bGUiOm51bGx9LCJQYXJlbnRTdHlsZSI6bnVsbH0sIkhvcml6b250YWxDb25uZWN0b3JTdHlsZSI6eyIkaWQiOiIzNjciLCJMaW5lQ29sb3IiOnsiJHJlZiI6IjgxIn0sIkxpbmVXZWlnaHQiOjEuMCwiTGluZVR5cGUiOjAsIlBhcmVudFN0eWxlIjpudWxsfSwiVmVydGljYWxDb25uZWN0b3JTdHlsZSI6eyIkaWQiOiIzNjgiLCJMaW5lQ29sb3IiOnsiJHJlZiI6Ijg0In0sIkxpbmVXZWlnaHQiOjAuMCwiTGluZVR5cGUiOjAsIlBhcmVudFN0eWxlIjpudWxsfSwiTWFyZ2luIjpudWxsLCJTdGFydERhdGVQb3NpdGlvbiI6MywiRW5kRGF0ZVBvc2l0aW9uIjo0LCJEYXRlSXNWaXNpYmxlIjp0cnVlLCJUaXRsZVBvc2l0aW9uIjowLCJEdXJhdGlvblBvc2l0aW9uIjo2LCJQZXJjZW50YWdlQ29tcGxldGVkUG9zaXRpb24iOjYsIlNwYWNpbmciOjUsIklzQmVsb3dUaW1lYmFuZCI6dHJ1ZSwiUGVyY2VudGFnZUNvbXBsZXRlU2hhcGVPcGFjaXR5IjozNSwiU2hhcGVTdHlsZSI6eyIkaWQiOiIzNjkiLCJNYXJnaW4iOnsiJHJlZiI6Ijg3In0sIlBhZGRpbmciOnsiJHJlZiI6Ijg4In0sIkJhY2tncm91bmQiOnsiJGlkIjoiMzcwIiwiQ29sb3IiOnsiJGlkIjoiMzcxIiwiQSI6MjU1LCJSIjoyNiwiRyI6MTcwLCJCIjo2Nn19LCJJc1Zpc2libGUiOnRydWUsIldpZHRoIjowLjAsIkhlaWdodCI6MTYuMCwiQm9yZGVyU3R5bGUiOnsiJGlkIjoiMzcyIiwiTGluZUNvbG9yIjp7IiRyZWYiOiIyNDYifSwiTGluZVdlaWdodCI6MC4wLCJMaW5lVHlwZSI6MCwiUGFyZW50U3R5bGUiOm51bGx9LCJQYXJlbnRTdHlsZSI6bnVsbH0sIlRpdGxlU3R5bGUiOnsiJGlkIjoiMzczIiwiRm9udFNldHRpbmdzIjp7IiRpZCI6IjM3NCIsIkZvbnRTaXplIjoxMSwiRm9udE5hbWUiOiJDYWxpYnJpIiwiSXNCb2xkIjp0cnVlLCJJc0l0YWxpYyI6ZmFsc2UsIklzVW5kZXJsaW5lZCI6ZmFsc2UsIlBhcmVudFN0eWxlIjpudWxsfSwiQXV0b1NpemUiOjAsIkZvcmVncm91bmQiOnsiJGlkIjoiMzc1IiwiQ29sb3IiOnsiJGlkIjoiMzc2IiwiQSI6MjU1LCJSIjowLCJHIjowLCJCIjowfX0sIk1heFdpZHRoIjo3MjAuMCwiTWF4SGVpZ2h0IjoiSW5maW5pdHkiLCJTbWFydEZvcmVncm91bmRJc0FjdGl2ZSI6ZmFsc2UsIkhvcml6b250YWxBbGlnbm1lbnQiOjAsIlZlcnRpY2FsQWxpZ25tZW50IjowLCJTbWFydEZvcmVncm91bmQiOm51bGwsIkJhY2tncm91bmRGaWxsVHlwZSI6MCwiTWFyZ2luIjp7IiRyZWYiOiI5OCJ9LCJQYWRkaW5nIjp7IiRyZWYiOiI5OSJ9LCJCYWNrZ3JvdW5kIjp7IiRpZCI6IjM3NyIsIkNvbG9yIjp7IiRpZCI6IjM3OCIsIkEiOjAsIlIiOjI1NSwiRyI6MjU1LCJCIjoyNTV9fSwiSXNWaXNpYmxlIjp0cnVlLCJXaWR0aCI6MC4wLCJIZWlnaHQiOjAuMCwiQm9yZGVyU3R5bGUiOnsiJGlkIjoiMzc5IiwiTGluZUNvbG9yIjpudWxsLCJMaW5lV2VpZ2h0IjowLjAsIkxpbmVUeXBlIjowLCJQYXJlbnRTdHlsZSI6bnVsbH0sIlBhcmVudFN0eWxlIjpudWxsfSwiRGF0ZVN0eWxlIjp7IiRpZCI6IjM4MCIsIkZvbnRTZXR0aW5ncyI6eyIkaWQiOiIzODEiLCJGb250U2l6ZSI6MTAsIkZvbnROYW1lIjoiQ2FsaWJyaSIsIklzQm9sZCI6ZmFsc2UsIklzSXRhbGljIjpmYWxzZSwiSXNVbmRlcmxpbmVkIjpmYWxzZSwiUGFyZW50U3R5bGUiOm51bGx9LCJBdXRvU2l6ZSI6MCwiRm9yZWdyb3VuZCI6eyIkaWQiOiIzODIiLCJDb2xvciI6eyIkaWQiOiIzODMiLCJBIjoyNTUsIlIiOjY4LCJHIjo4NCwiQiI6MTA2fX0sIk1heFdpZHRoIjoyMDAuMCwiTWF4SGVpZ2h0IjoiSW5maW5pdHkiLCJTbWFydEZvcmVncm91bmRJc0FjdGl2ZSI6ZmFsc2UsIkhvcml6b250YWxBbGlnbm1lbnQiOjEsIlZlcnRpY2FsQWxpZ25tZW50IjowLCJTbWFydEZvcmVncm91bmQiOm51bGwsIkJhY2tncm91bmRGaWxsVHlwZSI6MCwiTWFyZ2luIjp7IiRyZWYiOiIxMDcifSwiUGFkZGluZyI6eyIkcmVmIjoiMTA4In0sIkJhY2tncm91bmQiOnsiJGlkIjoiMzg0IiwiQ29sb3IiOnsiJGlkIjoiMzg1IiwiQSI6MCwiUiI6MjU1LCJHIjoyNTUsIkIiOjI1NX19LCJJc1Zpc2libGUiOnRydWUsIldpZHRoIjowLjAsIkhlaWdodCI6MC4wLCJCb3JkZXJTdHlsZSI6eyIkaWQiOiIzODYiLCJMaW5lQ29sb3IiOm51bGwsIkxpbmVXZWlnaHQiOjAuMCwiTGluZVR5cGUiOjAsIlBhcmVudFN0eWxlIjpudWxsfSwiUGFyZW50U3R5bGUiOm51bGx9LCJEYXRlRm9ybWF0Ijp7IiRyZWYiOiIyNjIifSwiV2Vla051bWJlcmluZyI6eyIkaWQiOiIzODciLCJGb3JtYXQiOjAsIklzVmlzaWJsZSI6ZmFsc2UsIkxhc3RLbm93blZpc2liaWxpdHlTdGF0ZSI6ZmFsc2V9LCJJc1Zpc2libGUiOnRydWUsIlBhcmVudFN0eWxlIjpudWxsfSwiSW5kZXgiOjgsIlNtYXJ0RHVyYXRpb25BY3RpdmF0ZWQiOmZhbHNlLCJEYXRlRm9ybWF0Ijp7IiRyZWYiOiIyNjIifSwiV2Vla051bWJlcmluZyI6eyIkaWQiOiIzODgiLCJGb3JtYXQiOjAsIklzVmlzaWJsZSI6ZmFsc2UsIkxhc3RLbm93blZpc2liaWxpdHlTdGF0ZSI6ZmFsc2V9LCJJZCI6IjBiMDY5YWM5LTFmZTUtNDkxMi04Y2JjLTVhNzE5NTc1ODAzYyIsIkltcG9ydElkIjpudWxsLCJUaXRsZSI6Ik1ha2UgVHJhY2VhYmlsaXR5ICBNYXRyaXgiLCJOb3RlIjpudWxsLCJIeXBlcmxpbmsiOnsiJGlkIjoiMzg5IiwiQWRkcmVzcyI6IiIsIlN1YkFkZHJlc3MiOiIifSwiSXNDaGFuZ2VkIjpmYWxzZSwiSXNOZXciOmZhbHNlfX1dLCJfbWlsZXN0b25lcyI6W10sIklkIjoiMDAwMDAwMDAtMDAwMC0wMDAwLTAwMDAtMDAwMDAwMDAwMDAwIiwiSXNTaW5nbGVJdGVtUm93Ijp0cnVlfSx7IiRpZCI6IjM5MCIsIl90YXNrcyI6W3siJGlkIjoiMzkxIiwiX2F0dGFjaGVkTWlsZXN0b25lcyI6W10sIlRhc2tEZWZpbml0aW9uIjp7IiRpZCI6IjM5MiIsIkdyb3VwTmFtZSI6bnVsbCwiU3RhcnREYXRlIjoiMjAyMi0wNC0yNVQwMDowMDowMFoiLCJFbmREYXRlIjoiMjAyMi0wNC0yNVQyMzo1OTowMFoiLCJQZXJjZW50YWdlQ29tcGxldGUiOm51bGwsIlN0eWxlIjp7IiRpZCI6IjM5MyIsIlNoYXBlIjoxLCJTaGFwZVRoaWNrbmVzcyI6MSwiRHVyYXRpb25Gb3JtYXQiOjAsIkluY2x1ZGVOb25Xb3JraW5nRGF5c0luRHVyYXRpb24iOmZhbHNlLCJQZXJjZW50YWdlQ29tcGxldGVTdHlsZSI6eyIkaWQiOiIzOTQiLCJGb250U2V0dGluZ3MiOnsiJGlkIjoiMzk1IiwiRm9udFNpemUiOjEwLCJGb250TmFtZSI6IkNhbGlicmkiLCJJc0JvbGQiOmZhbHNlLCJJc0l0YWxpYyI6ZmFsc2UsIklzVW5kZXJsaW5lZCI6ZmFsc2UsIlBhcmVudFN0eWxlIjpudWxsfSwiQXV0b1NpemUiOjAsIkZvcmVncm91bmQiOnsiJHJlZiI6IjEwIn0sIk1heFdpZHRoIjoyMDAuMCwiTWF4SGVpZ2h0IjoiSW5maW5pdHkiLCJTbWFydEZvcmVncm91bmRJc0FjdGl2ZSI6ZmFsc2UsIkhvcml6b250YWxBbGlnbm1lbnQiOjAsIlZlcnRpY2FsQWxpZ25tZW50IjowLCJTbWFydEZvcmVncm91bmQiOm51bGwsIkJhY2tncm91bmRGaWxsVHlwZSI6MCwiTWFyZ2luIjp7IiRyZWYiOiI2NyJ9LCJQYWRkaW5nIjp7IiRyZWYiOiI2OCJ9LCJCYWNrZ3JvdW5kIjp7IiRyZWYiOiI2OSJ9LCJJc1Zpc2libGUiOnRydWUsIldpZHRoIjowLjAsIkhlaWdodCI6MC4wLCJCb3JkZXJTdHlsZSI6eyIkaWQiOiIzOTYiLCJMaW5lQ29sb3IiOm51bGwsIkxpbmVXZWlnaHQiOjAuMCwiTGluZVR5cGUiOjAsIlBhcmVudFN0eWxlIjpudWxsfSwiUGFyZW50U3R5bGUiOm51bGx9LCJEdXJhdGlvblN0eWxlIjp7IiRpZCI6IjM5NyIsIkZvbnRTZXR0aW5ncyI6eyIkaWQiOiIzOTgiLCJGb250U2l6ZSI6MTAsIkZvbnROYW1lIjoiQ2FsaWJyaSIsIklzQm9sZCI6ZmFsc2UsIklzSXRhbGljIjpmYWxzZSwiSXNVbmRlcmxpbmVkIjpmYWxzZSwiUGFyZW50U3R5bGUiOm51bGx9LCJBdXRvU2l6ZSI6MCwiRm9yZWdyb3VuZCI6eyIkcmVmIjoiNzQifSwiTWF4V2lkdGgiOjIwMC4wLCJNYXhIZWlnaHQiOiJJbmZpbml0eSIsIlNtYXJ0Rm9yZWdyb3VuZElzQWN0aXZlIjpmYWxzZSwiSG9yaXpvbnRhbEFsaWdubWVudCI6MCwiVmVydGljYWxBbGlnbm1lbnQiOjAsIlNtYXJ0Rm9yZWdyb3VuZCI6bnVsbCwiQmFja2dyb3VuZEZpbGxUeXBlIjowLCJNYXJnaW4iOnsiJHJlZiI6Ijc2In0sIlBhZGRpbmciOnsiJHJlZiI6Ijc3In0sIkJhY2tncm91bmQiOnsiJHJlZiI6Ijc4In0sIklzVmlzaWJsZSI6dHJ1ZSwiV2lkdGgiOjAuMCwiSGVpZ2h0IjowLjAsIkJvcmRlclN0eWxlIjp7IiRpZCI6IjM5OSIsIkxpbmVDb2xvciI6bnVsbCwiTGluZVdlaWdodCI6MC4wLCJMaW5lVHlwZSI6MCwiUGFyZW50U3R5bGUiOm51bGx9LCJQYXJlbnRTdHlsZSI6bnVsbH0sIkhvcml6b250YWxDb25uZWN0b3JTdHlsZSI6eyIkaWQiOiI0MDAiLCJMaW5lQ29sb3IiOnsiJHJlZiI6IjgxIn0sIkxpbmVXZWlnaHQiOjEuMCwiTGluZVR5cGUiOjAsIlBhcmVudFN0eWxlIjpudWxsfSwiVmVydGljYWxDb25uZWN0b3JTdHlsZSI6eyIkaWQiOiI0MDEiLCJMaW5lQ29sb3IiOnsiJHJlZiI6Ijg0In0sIkxpbmVXZWlnaHQiOjAuMCwiTGluZVR5cGUiOjAsIlBhcmVudFN0eWxlIjpudWxsfSwiTWFyZ2luIjpudWxsLCJTdGFydERhdGVQb3NpdGlvbiI6MywiRW5kRGF0ZVBvc2l0aW9uIjo0LCJEYXRlSXNWaXNpYmxlIjp0cnVlLCJUaXRsZVBvc2l0aW9uIjowLCJEdXJhdGlvblBvc2l0aW9uIjo2LCJQZXJjZW50YWdlQ29tcGxldGVkUG9zaXRpb24iOjYsIlNwYWNpbmciOjUsIklzQmVsb3dUaW1lYmFuZCI6dHJ1ZSwiUGVyY2VudGFnZUNvbXBsZXRlU2hhcGVPcGFjaXR5IjozNSwiU2hhcGVTdHlsZSI6eyIkaWQiOiI0MDIiLCJNYXJnaW4iOnsiJHJlZiI6Ijg3In0sIlBhZGRpbmciOnsiJHJlZiI6Ijg4In0sIkJhY2tncm91bmQiOnsiJGlkIjoiNDAzIiwiQ29sb3IiOnsiJGlkIjoiNDA0IiwiQSI6MjU1LCJSIjoyNiwiRyI6MTcwLCJCIjo2Nn19LCJJc1Zpc2libGUiOnRydWUsIldpZHRoIjowLjAsIkhlaWdodCI6MTYuMCwiQm9yZGVyU3R5bGUiOnsiJGlkIjoiNDA1IiwiTGluZUNvbG9yIjp7IiRyZWYiOiIyNDYifSwiTGluZVdlaWdodCI6MC4wLCJMaW5lVHlwZSI6MCwiUGFyZW50U3R5bGUiOm51bGx9LCJQYXJlbnRTdHlsZSI6bnVsbH0sIlRpdGxlU3R5bGUiOnsiJGlkIjoiNDA2IiwiRm9udFNldHRpbmdzIjp7IiRpZCI6IjQwNyIsIkZvbnRTaXplIjoxMSwiRm9udE5hbWUiOiJDYWxpYnJpIiwiSXNCb2xkIjp0cnVlLCJJc0l0YWxpYyI6ZmFsc2UsIklzVW5kZXJsaW5lZCI6ZmFsc2UsIlBhcmVudFN0eWxlIjpudWxsfSwiQXV0b1NpemUiOjAsIkZvcmVncm91bmQiOnsiJGlkIjoiNDA4IiwiQ29sb3IiOnsiJGlkIjoiNDA5IiwiQSI6MjU1LCJSIjowLCJHIjowLCJCIjowfX0sIk1heFdpZHRoIjo3MjAuMCwiTWF4SGVpZ2h0IjoiSW5maW5pdHkiLCJTbWFydEZvcmVncm91bmRJc0FjdGl2ZSI6ZmFsc2UsIkhvcml6b250YWxBbGlnbm1lbnQiOjAsIlZlcnRpY2FsQWxpZ25tZW50IjowLCJTbWFydEZvcmVncm91bmQiOm51bGwsIkJhY2tncm91bmRGaWxsVHlwZSI6MCwiTWFyZ2luIjp7IiRyZWYiOiI5OCJ9LCJQYWRkaW5nIjp7IiRyZWYiOiI5OSJ9LCJCYWNrZ3JvdW5kIjp7IiRpZCI6IjQxMCIsIkNvbG9yIjp7IiRpZCI6IjQxMSIsIkEiOjAsIlIiOjI1NSwiRyI6MjU1LCJCIjoyNTV9fSwiSXNWaXNpYmxlIjp0cnVlLCJXaWR0aCI6MC4wLCJIZWlnaHQiOjAuMCwiQm9yZGVyU3R5bGUiOnsiJGlkIjoiNDEyIiwiTGluZUNvbG9yIjpudWxsLCJMaW5lV2VpZ2h0IjowLjAsIkxpbmVUeXBlIjowLCJQYXJlbnRTdHlsZSI6bnVsbH0sIlBhcmVudFN0eWxlIjpudWxsfSwiRGF0ZVN0eWxlIjp7IiRpZCI6IjQxMyIsIkZvbnRTZXR0aW5ncyI6eyIkaWQiOiI0MTQiLCJGb250U2l6ZSI6MTAsIkZvbnROYW1lIjoiQ2FsaWJyaSIsIklzQm9sZCI6ZmFsc2UsIklzSXRhbGljIjpmYWxzZSwiSXNVbmRlcmxpbmVkIjpmYWxzZSwiUGFyZW50U3R5bGUiOm51bGx9LCJBdXRvU2l6ZSI6MCwiRm9yZWdyb3VuZCI6eyIkaWQiOiI0MTUiLCJDb2xvciI6eyIkaWQiOiI0MTYiLCJBIjoyNTUsIlIiOjY4LCJHIjo4NCwiQiI6MTA2fX0sIk1heFdpZHRoIjoyMDAuMCwiTWF4SGVpZ2h0IjoiSW5maW5pdHkiLCJTbWFydEZvcmVncm91bmRJc0FjdGl2ZSI6ZmFsc2UsIkhvcml6b250YWxBbGlnbm1lbnQiOjEsIlZlcnRpY2FsQWxpZ25tZW50IjowLCJTbWFydEZvcmVncm91bmQiOm51bGwsIkJhY2tncm91bmRGaWxsVHlwZSI6MCwiTWFyZ2luIjp7IiRyZWYiOiIxMDcifSwiUGFkZGluZyI6eyIkcmVmIjoiMTA4In0sIkJhY2tncm91bmQiOnsiJGlkIjoiNDE3IiwiQ29sb3IiOnsiJGlkIjoiNDE4IiwiQSI6MCwiUiI6MjU1LCJHIjoyNTUsIkIiOjI1NX19LCJJc1Zpc2libGUiOnRydWUsIldpZHRoIjowLjAsIkhlaWdodCI6MC4wLCJCb3JkZXJTdHlsZSI6eyIkaWQiOiI0MTkiLCJMaW5lQ29sb3IiOm51bGwsIkxpbmVXZWlnaHQiOjAuMCwiTGluZVR5cGUiOjAsIlBhcmVudFN0eWxlIjpudWxsfSwiUGFyZW50U3R5bGUiOm51bGx9LCJEYXRlRm9ybWF0Ijp7IiRyZWYiOiIyNjIifSwiV2Vla051bWJlcmluZyI6eyIkaWQiOiI0MjAiLCJGb3JtYXQiOjAsIklzVmlzaWJsZSI6ZmFsc2UsIkxhc3RLbm93blZpc2liaWxpdHlTdGF0ZSI6ZmFsc2V9LCJJc1Zpc2libGUiOnRydWUsIlBhcmVudFN0eWxlIjpudWxsfSwiSW5kZXgiOjksIlNtYXJ0RHVyYXRpb25BY3RpdmF0ZWQiOmZhbHNlLCJEYXRlRm9ybWF0Ijp7IiRyZWYiOiIyNjIifSwiV2Vla051bWJlcmluZyI6eyIkaWQiOiI0MjEiLCJGb3JtYXQiOjAsIklzVmlzaWJsZSI6ZmFsc2UsIkxhc3RLbm93blZpc2liaWxpdHlTdGF0ZSI6ZmFsc2V9LCJJZCI6IjdmNThjZDQwLTExNDEtNDZkNy1hZjIyLWJlMDRkZmY1NTZiOSIsIkltcG9ydElkIjpudWxsLCJUaXRsZSI6IkVkaXRpdG5nIFNJUSIsIk5vdGUiOm51bGwsIkh5cGVybGluayI6eyIkaWQiOiI0MjIiLCJBZGRyZXNzIjoiIiwiU3ViQWRkcmVzcyI6IiJ9LCJJc0NoYW5nZWQiOmZhbHNlLCJJc05ldyI6ZmFsc2V9fV0sIl9taWxlc3RvbmVzIjpbXSwiSWQiOiIwMDAwMDAwMC0wMDAwLTAwMDAtMDAwMC0wMDAwMDAwMDAwMDAiLCJJc1NpbmdsZUl0ZW1Sb3ciOnRydWV9LHsiJGlkIjoiNDIzIiwiX3Rhc2tzIjpbeyIkaWQiOiI0MjQiLCJfYXR0YWNoZWRNaWxlc3RvbmVzIjpbXSwiVGFza0RlZmluaXRpb24iOnsiJGlkIjoiNDI1IiwiR3JvdXBOYW1lIjpudWxsLCJTdGFydERhdGUiOiIyMDIyLTA0LTI0VDAwOjAwOjAwWiIsIkVuZERhdGUiOiIyMDIyLTA0LTI2VDIzOjU5OjAwWiIsIlBlcmNlbnRhZ2VDb21wbGV0ZSI6bnVsbCwiU3R5bGUiOnsiJGlkIjoiNDI2IiwiU2hhcGUiOjEsIlNoYXBlVGhpY2tuZXNzIjoxLCJEdXJhdGlvbkZvcm1hdCI6MCwiSW5jbHVkZU5vbldvcmtpbmdEYXlzSW5EdXJhdGlvbiI6ZmFsc2UsIlBlcmNlbnRhZ2VDb21wbGV0ZVN0eWxlIjp7IiRpZCI6IjQyNyIsIkZvbnRTZXR0aW5ncyI6eyIkaWQiOiI0MjgiLCJGb250U2l6ZSI6MTAsIkZvbnROYW1lIjoiQ2FsaWJyaSIsIklzQm9sZCI6ZmFsc2UsIklzSXRhbGljIjpmYWxzZSwiSXNVbmRlcmxpbmVkIjpmYWxzZSwiUGFyZW50U3R5bGUiOm51bGx9LCJBdXRvU2l6ZSI6MCwiRm9yZWdyb3VuZCI6eyIkcmVmIjoiMTAifSwiTWF4V2lkdGgiOjIwMC4wLCJNYXhIZWlnaHQiOiJJbmZpbml0eSIsIlNtYXJ0Rm9yZWdyb3VuZElzQWN0aXZlIjpmYWxzZSwiSG9yaXpvbnRhbEFsaWdubWVudCI6MCwiVmVydGljYWxBbGlnbm1lbnQiOjAsIlNtYXJ0Rm9yZWdyb3VuZCI6bnVsbCwiQmFja2dyb3VuZEZpbGxUeXBlIjowLCJNYXJnaW4iOnsiJHJlZiI6IjY3In0sIlBhZGRpbmciOnsiJHJlZiI6IjY4In0sIkJhY2tncm91bmQiOnsiJHJlZiI6IjY5In0sIklzVmlzaWJsZSI6dHJ1ZSwiV2lkdGgiOjAuMCwiSGVpZ2h0IjowLjAsIkJvcmRlclN0eWxlIjp7IiRpZCI6IjQyOSIsIkxpbmVDb2xvciI6bnVsbCwiTGluZVdlaWdodCI6MC4wLCJMaW5lVHlwZSI6MCwiUGFyZW50U3R5bGUiOm51bGx9LCJQYXJlbnRTdHlsZSI6bnVsbH0sIkR1cmF0aW9uU3R5bGUiOnsiJGlkIjoiNDMwIiwiRm9udFNldHRpbmdzIjp7IiRpZCI6IjQzMSIsIkZvbnRTaXplIjoxMCwiRm9udE5hbWUiOiJDYWxpYnJpIiwiSXNCb2xkIjpmYWxzZSwiSXNJdGFsaWMiOmZhbHNlLCJJc1VuZGVybGluZWQiOmZhbHNlLCJQYXJlbnRTdHlsZSI6bnVsbH0sIkF1dG9TaXplIjowLCJGb3JlZ3JvdW5kIjp7IiRyZWYiOiI3NCJ9LCJNYXhXaWR0aCI6MjAwLjAsIk1heEhlaWdodCI6IkluZmluaXR5IiwiU21hcnRGb3JlZ3JvdW5kSXNBY3RpdmUiOmZhbHNlLCJIb3Jpem9udGFsQWxpZ25tZW50IjowLCJWZXJ0aWNhbEFsaWdubWVudCI6MCwiU21hcnRGb3JlZ3JvdW5kIjpudWxsLCJCYWNrZ3JvdW5kRmlsbFR5cGUiOjAsIk1hcmdpbiI6eyIkcmVmIjoiNzYifSwiUGFkZGluZyI6eyIkcmVmIjoiNzcifSwiQmFja2dyb3VuZCI6eyIkcmVmIjoiNzgifSwiSXNWaXNpYmxlIjp0cnVlLCJXaWR0aCI6MC4wLCJIZWlnaHQiOjAuMCwiQm9yZGVyU3R5bGUiOnsiJGlkIjoiNDMyIiwiTGluZUNvbG9yIjpudWxsLCJMaW5lV2VpZ2h0IjowLjAsIkxpbmVUeXBlIjowLCJQYXJlbnRTdHlsZSI6bnVsbH0sIlBhcmVudFN0eWxlIjpudWxsfSwiSG9yaXpvbnRhbENvbm5lY3RvclN0eWxlIjp7IiRpZCI6IjQzMyIsIkxpbmVDb2xvciI6eyIkcmVmIjoiODEifSwiTGluZVdlaWdodCI6MS4wLCJMaW5lVHlwZSI6MCwiUGFyZW50U3R5bGUiOm51bGx9LCJWZXJ0aWNhbENvbm5lY3RvclN0eWxlIjp7IiRpZCI6IjQzNCIsIkxpbmVDb2xvciI6eyIkcmVmIjoiODQifSwiTGluZVdlaWdodCI6MC4wLCJMaW5lVHlwZSI6MCwiUGFyZW50U3R5bGUiOm51bGx9LCJNYXJnaW4iOm51bGwsIlN0YXJ0RGF0ZVBvc2l0aW9uIjozLCJFbmREYXRlUG9zaXRpb24iOjQsIkRhdGVJc1Zpc2libGUiOnRydWUsIlRpdGxlUG9zaXRpb24iOjAsIkR1cmF0aW9uUG9zaXRpb24iOjYsIlBlcmNlbnRhZ2VDb21wbGV0ZWRQb3NpdGlvbiI6NiwiU3BhY2luZyI6NSwiSXNCZWxvd1RpbWViYW5kIjp0cnVlLCJQZXJjZW50YWdlQ29tcGxldGVTaGFwZU9wYWNpdHkiOjM1LCJTaGFwZVN0eWxlIjp7IiRpZCI6IjQzNSIsIk1hcmdpbiI6eyIkcmVmIjoiODcifSwiUGFkZGluZyI6eyIkcmVmIjoiODgifSwiQmFja2dyb3VuZCI6eyIkaWQiOiI0MzYiLCJDb2xvciI6eyIkaWQiOiI0MzciLCJBIjoyNTUsIlIiOjI2LCJHIjoxNzAsIkIiOjY2fX0sIklzVmlzaWJsZSI6dHJ1ZSwiV2lkdGgiOjAuMCwiSGVpZ2h0IjoxNi4wLCJCb3JkZXJTdHlsZSI6eyIkaWQiOiI0MzgiLCJMaW5lQ29sb3IiOnsiJHJlZiI6IjI0NiJ9LCJMaW5lV2VpZ2h0IjowLjAsIkxpbmVUeXBlIjowLCJQYXJlbnRTdHlsZSI6bnVsbH0sIlBhcmVudFN0eWxlIjpudWxsfSwiVGl0bGVTdHlsZSI6eyIkaWQiOiI0MzkiLCJGb250U2V0dGluZ3MiOnsiJGlkIjoiNDQwIiwiRm9udFNpemUiOjExLCJGb250TmFtZSI6IkNhbGlicmkiLCJJc0JvbGQiOnRydWUsIklzSXRhbGljIjpmYWxzZSwiSXNVbmRlcmxpbmVkIjpmYWxzZSwiUGFyZW50U3R5bGUiOm51bGx9LCJBdXRvU2l6ZSI6MCwiRm9yZWdyb3VuZCI6eyIkaWQiOiI0NDEiLCJDb2xvciI6eyIkaWQiOiI0NDIiLCJBIjoyNTUsIlIiOjAsIkciOjAsIkIiOjB9fSwiTWF4V2lkdGgiOjcyMC4wLCJNYXhIZWlnaHQiOiJJbmZpbml0eSIsIlNtYXJ0Rm9yZWdyb3VuZElzQWN0aXZlIjpmYWxzZSwiSG9yaXpvbnRhbEFsaWdubWVudCI6MCwiVmVydGljYWxBbGlnbm1lbnQiOjAsIlNtYXJ0Rm9yZWdyb3VuZCI6bnVsbCwiQmFja2dyb3VuZEZpbGxUeXBlIjowLCJNYXJnaW4iOnsiJHJlZiI6Ijk4In0sIlBhZGRpbmciOnsiJHJlZiI6Ijk5In0sIkJhY2tncm91bmQiOnsiJGlkIjoiNDQzIiwiQ29sb3IiOnsiJGlkIjoiNDQ0IiwiQSI6MCwiUiI6MjU1LCJHIjoyNTUsIkIiOjI1NX19LCJJc1Zpc2libGUiOnRydWUsIldpZHRoIjowLjAsIkhlaWdodCI6MC4wLCJCb3JkZXJTdHlsZSI6eyIkaWQiOiI0NDUiLCJMaW5lQ29sb3IiOm51bGwsIkxpbmVXZWlnaHQiOjAuMCwiTGluZVR5cGUiOjAsIlBhcmVudFN0eWxlIjpudWxsfSwiUGFyZW50U3R5bGUiOm51bGx9LCJEYXRlU3R5bGUiOnsiJGlkIjoiNDQ2IiwiRm9udFNldHRpbmdzIjp7IiRpZCI6IjQ0NyIsIkZvbnRTaXplIjoxMCwiRm9udE5hbWUiOiJDYWxpYnJpIiwiSXNCb2xkIjpmYWxzZSwiSXNJdGFsaWMiOmZhbHNlLCJJc1VuZGVybGluZWQiOmZhbHNlLCJQYXJlbnRTdHlsZSI6bnVsbH0sIkF1dG9TaXplIjowLCJGb3JlZ3JvdW5kIjp7IiRpZCI6IjQ0OCIsIkNvbG9yIjp7IiRpZCI6IjQ0OSIsIkEiOjI1NSwiUiI6NjgsIkciOjg0LCJCIjoxMDZ9fSwiTWF4V2lkdGgiOjIwMC4wLCJNYXhIZWlnaHQiOiJJbmZpbml0eSIsIlNtYXJ0Rm9yZWdyb3VuZElzQWN0aXZlIjpmYWxzZSwiSG9yaXpvbnRhbEFsaWdubWVudCI6MSwiVmVydGljYWxBbGlnbm1lbnQiOjAsIlNtYXJ0Rm9yZWdyb3VuZCI6bnVsbCwiQmFja2dyb3VuZEZpbGxUeXBlIjowLCJNYXJnaW4iOnsiJHJlZiI6IjEwNyJ9LCJQYWRkaW5nIjp7IiRyZWYiOiIxMDgifSwiQmFja2dyb3VuZCI6eyIkaWQiOiI0NTAiLCJDb2xvciI6eyIkaWQiOiI0NTEiLCJBIjowLCJSIjoyNTUsIkciOjI1NSwiQiI6MjU1fX0sIklzVmlzaWJsZSI6dHJ1ZSwiV2lkdGgiOjAuMCwiSGVpZ2h0IjowLjAsIkJvcmRlclN0eWxlIjp7IiRpZCI6IjQ1MiIsIkxpbmVDb2xvciI6bnVsbCwiTGluZVdlaWdodCI6MC4wLCJMaW5lVHlwZSI6MCwiUGFyZW50U3R5bGUiOm51bGx9LCJQYXJlbnRTdHlsZSI6bnVsbH0sIkRhdGVGb3JtYXQiOnsiJHJlZiI6IjI2MiJ9LCJXZWVrTnVtYmVyaW5nIjp7IiRpZCI6IjQ1MyIsIkZvcm1hdCI6MCwiSXNWaXNpYmxlIjpmYWxzZSwiTGFzdEtub3duVmlzaWJpbGl0eVN0YXRlIjpmYWxzZX0sIklzVmlzaWJsZSI6dHJ1ZSwiUGFyZW50U3R5bGUiOm51bGx9LCJJbmRleCI6MTAsIlNtYXJ0RHVyYXRpb25BY3RpdmF0ZWQiOmZhbHNlLCJEYXRlRm9ybWF0Ijp7IiRyZWYiOiIyNjIifSwiV2Vla051bWJlcmluZyI6eyIkaWQiOiI0NTQiLCJGb3JtYXQiOjAsIklzVmlzaWJsZSI6ZmFsc2UsIkxhc3RLbm93blZpc2liaWxpdHlTdGF0ZSI6ZmFsc2V9LCJJZCI6IjZmMWQzYTVkLTM5NGQtNGY3ZS1iODAzLTAwNGY3NzdlMjljMyIsIkltcG9ydElkIjpudWxsLCJUaXRsZSI6IkVkaXRpbmcgU1JTIiwiTm90ZSI6bnVsbCwiSHlwZXJsaW5rIjp7IiRpZCI6IjQ1NSIsIkFkZHJlc3MiOiIiLCJTdWJBZGRyZXNzIjoiIn0sIklzQ2hhbmdlZCI6ZmFsc2UsIklzTmV3IjpmYWxzZX19XSwiX21pbGVzdG9uZXMiOltdLCJJZCI6IjAwMDAwMDAwLTAwMDAtMDAwMC0wMDAwLTAwMDAwMDAwMDAwMCIsIklzU2luZ2xlSXRlbVJvdyI6dHJ1ZX1dLCJJbmRleCI6NywiSWQiOiIyZTZjZDEzYi05OTM0LTQ1M2YtOTU2OS1jMDRlNWU2NWE2ZWIiLCJIZWFkZXJUZXh0IjpudWxsLCJJc0RlZmF1bHQiOnRydWUsIlN0eWxlIjp7IiRpZCI6IjQ1NiIsIkhlYWRlclN0eWxlIjp7IiRpZCI6IjQ1NyIsIlRleHRTdHlsZSI6eyIkaWQiOiI0NTgiLCJGb250U2V0dGluZ3MiOnsiJGlkIjoiNDU5IiwiRm9udFNpemUiOjExLCJGb250TmFtZSI6IkNhbGlicmkiLCJJc0JvbGQiOmZhbHNlLCJJc0l0YWxpYyI6ZmFsc2UsIklzVW5kZXJsaW5lZCI6ZmFsc2UsIlBhcmVudFN0eWxlIjpudWxsfSwiQXV0b1NpemUiOjIsIkZvcmVncm91bmQiOnsiJGlkIjoiNDYwIiwiQ29sb3IiOnsiJGlkIjoiNDYxIiwiQSI6MjU1LCJSIjowLCJHIjowLCJCIjowfX0sIk1heFdpZHRoIjowLjAsIk1heEhlaWdodCI6IkluZmluaXR5IiwiU21hcnRGb3JlZ3JvdW5kSXNBY3RpdmUiOmZhbHNlLCJIb3Jpem9udGFsQWxpZ25tZW50IjowLCJWZXJ0aWNhbEFsaWdubWVudCI6MCwiU21hcnRGb3JlZ3JvdW5kIjpudWxsLCJCYWNrZ3JvdW5kRmlsbFR5cGUiOjAsIk1hcmdpbiI6eyIkaWQiOiI0NjIiLCJUb3AiOjAuMCwiTGVmdCI6MC4wLCJSaWdodCI6MC4wLCJCb3R0b20iOjAuMH0sIlBhZGRpbmciOnsiJGlkIjoiNDYzIiwiVG9wIjowLjAsIkxlZnQiOjAuMCwiUmlnaHQiOjAuMCwiQm90dG9tIjowLjB9LCJCYWNrZ3JvdW5kIjpudWxsLCJJc1Zpc2libGUiOnRydWUsIldpZHRoIjowLjAsIkhlaWdodCI6MC4wLCJCb3JkZXJTdHlsZSI6bnVsbCwiUGFyZW50U3R5bGUiOm51bGx9LCJSZWN0YW5nbGVTdHlsZSI6eyIkaWQiOiI0NjQiLCJNYXJnaW4iOnsiJGlkIjoiNDY1IiwiVG9wIjowLjAsIkxlZnQiOjAuMCwiUmlnaHQiOjAuMCwiQm90dG9tIjowLjB9LCJQYWRkaW5nIjp7IiRpZCI6IjQ2NiIsIlRvcCI6MC4wLCJMZWZ0IjowLjAsIlJpZ2h0IjowLjAsIkJvdHRvbSI6MC4wfSwiQmFja2dyb3VuZCI6eyIkaWQiOiI0NjciLCJDb2xvciI6eyIkaWQiOiI0NjgiLCJBIjo2MywiUiI6MTY1LCJHIjoxNjUsIkIiOjE2NX19LCJJc1Zpc2libGUiOnRydWUsIldpZHRoIjowLjAsIkhlaWdodCI6MC4wLCJCb3JkZXJTdHlsZSI6eyIkaWQiOiI0NjkiLCJMaW5lQ29sb3IiOnsiJGlkIjoiNDcwIiwiJHR5cGUiOiJOTFJFLkNvbW1vbi5Eb20uU29saWRDb2xvckJydXNoLCBOTFJFLkNvbW1vbiIsIkNvbG9yIjp7IiRpZCI6IjQ3MSIsIkEiOjI1NSwiUiI6MjU1LCJHIjowLCJCIjowfX0sIkxpbmVXZWlnaHQiOjAuMCwiTGluZVR5cGUiOjAsIlBhcmVudFN0eWxlIjpudWxsfSwiUGFyZW50U3R5bGUiOm51bGx9LCJNYXJnaW4iOnsiJGlkIjoiNDcyIiwiVG9wIjowLjAsIkxlZnQiOjAuMCwiUmlnaHQiOjAuMCwiQm90dG9tIjowLjB9LCJQYWRkaW5nIjp7IiRpZCI6IjQ3MyIsIlRvcCI6MC4wLCJMZWZ0IjowLjAsIlJpZ2h0IjowLjAsIkJvdHRvbSI6MC4wfSwiQmFja2dyb3VuZCI6bnVsbCwiSXNWaXNpYmxlIjp0cnVlLCJXaWR0aCI6MC4wLCJIZWlnaHQiOjAuMCwiQm9yZGVyU3R5bGUiOm51bGwsIlBhcmVudFN0eWxlIjpudWxsfSwiQmFja2dyb3VuZFN0eWxlIjp7IiRpZCI6IjQ3NCIsIk1hcmdpbiI6eyIkaWQiOiI0NzUiLCJUb3AiOjAuMCwiTGVmdCI6MC4wLCJSaWdodCI6MC4wLCJCb3R0b20iOjAuMH0sIlBhZGRpbmciOnsiJGlkIjoiNDc2IiwiVG9wIjowLjAsIkxlZnQiOjAuMCwiUmlnaHQiOjAuMCwiQm90dG9tIjowLjB9LCJCYWNrZ3JvdW5kIjp7IiRpZCI6IjQ3NyIsIkNvbG9yIjp7IiRpZCI6IjQ3OCIsIkEiOjUxLCJSIjoxNjUsIkciOjE2NSwiQiI6MTY1fX0sIklzVmlzaWJsZSI6dHJ1ZSwiV2lkdGgiOjAuMCwiSGVpZ2h0IjowLjAsIkJvcmRlclN0eWxlIjp7IiRpZCI6IjQ3OSIsIkxpbmVDb2xvciI6eyIkaWQiOiI0ODAiLCIkdHlwZSI6Ik5MUkUuQ29tbW9uLkRvbS5Tb2xpZENvbG9yQnJ1c2gsIE5MUkUuQ29tbW9uIiwiQ29sb3IiOnsiJGlkIjoiNDgxIiwiQSI6MjU1LCJSIjoyNTUsIkciOjAsIkIiOjB9fSwiTGluZVdlaWdodCI6MC4wLCJMaW5lVHlwZSI6MCwiUGFyZW50U3R5bGUiOm51bGx9LCJQYXJlbnRTdHlsZSI6bnVsbH0sIk1hcmdpbiI6eyIkaWQiOiI0ODIiLCJUb3AiOjAuMCwiTGVmdCI6MC4wLCJSaWdodCI6MC4wLCJCb3R0b20iOjAuMH0sIlBhZGRpbmciOnsiJGlkIjoiNDgzIiwiVG9wIjowLjAsIkxlZnQiOjAuMCwiUmlnaHQiOjAuMCwiQm90dG9tIjowLjB9LCJJc1Zpc2libGUiOmZhbHNlLCJXaWR0aCI6MC4wLCJIZWlnaHQiOjAuMCwiQm9yZGVyU3R5bGUiOm51bGwsIlBhcmVudFN0eWxlIjpudWxsfX1dLCJJZCI6ImY4MzgxNGQ0LWRiNWYtNDQ0Ni1hNjg2LWJmNjgwNmE3ZmVjOSIsIkluZGV4Ijo3LCJIZWFkZXJUZXh0IjoiRml4aW5nIFBoYXNlIiwiU3R5bGUiOnsiJGlkIjoiNDg0IiwiSGVhZGVyU3R5bGUiOnsiJGlkIjoiNDg1IiwiVGV4dElzVmVydGljYWwiOmZhbHNlLCJUZXh0U3R5bGUiOnsiJGlkIjoiNDg2IiwiRm9udFNldHRpbmdzIjp7IiRpZCI6IjQ4NyIsIkZvbnRTaXplIjoxMiwiRm9udE5hbWUiOiJDYWxpYnJpIiwiSXNCb2xkIjpmYWxzZSwiSXNJdGFsaWMiOmZhbHNlLCJJc1VuZGVybGluZWQiOmZhbHNlLCJQYXJlbnRTdHlsZSI6bnVsbH0sIkF1dG9TaXplIjoyLCJGb3JlZ3JvdW5kIjp7IiRyZWYiOiIyMDMifSwiTWF4V2lkdGgiOjE2MC4wLCJNYXhIZWlnaHQiOiJJbmZpbml0eSIsIlNtYXJ0Rm9yZWdyb3VuZElzQWN0aXZlIjpmYWxzZSwiSG9yaXpvbnRhbEFsaWdubWVudCI6MCwiVmVydGljYWxBbGlnbm1lbnQiOjAsIlNtYXJ0Rm9yZWdyb3VuZCI6bnVsbCwiQmFja2dyb3VuZEZpbGxUeXBlIjowLCJNYXJnaW4iOnsiJHJlZiI6IjIwNSJ9LCJQYWRkaW5nIjp7IiRyZWYiOiIyMDYifSwiQmFja2dyb3VuZCI6bnVsbCwiSXNWaXNpYmxlIjp0cnVlLCJXaWR0aCI6MC4wLCJIZWlnaHQiOjAuMCwiQm9yZGVyU3R5bGUiOm51bGwsIlBhcmVudFN0eWxlIjpudWxsfSwiUmVjdGFuZ2xlU3R5bGUiOnsiJGlkIjoiNDg4IiwiTWFyZ2luIjp7IiRpZCI6IjQ4OSIsIlRvcCI6MC4wLCJMZWZ0IjowLjAsIlJpZ2h0IjowLjAsIkJvdHRvbSI6MC4wfSwiUGFkZGluZyI6eyIkaWQiOiI0OTAiLCJUb3AiOjAuMCwiTGVmdCI6MC4wLCJSaWdodCI6MC4wLCJCb3R0b20iOjAuMH0sIkJhY2tncm91bmQiOnsiJGlkIjoiNDkxIiwiQ29sb3IiOnsiJGlkIjoiNDkyIiwiQSI6MjU1LCJSIjoxNjUsIkciOjE2NSwiQiI6MTY1fX0sIklzVmlzaWJsZSI6dHJ1ZSwiV2lkdGgiOjAuMCwiSGVpZ2h0IjowLjAsIkJvcmRlclN0eWxlIjp7IiRpZCI6IjQ5MyIsIkxpbmVDb2xvciI6eyIkaWQiOiI0OTQiLCIkdHlwZSI6Ik5MUkUuQ29tbW9uLkRvbS5Tb2xpZENvbG9yQnJ1c2gsIE5MUkUuQ29tbW9uIiwiQ29sb3IiOnsiJGlkIjoiNDk1IiwiQSI6MjU1LCJSIjoyNTUsIkciOjAsIkIiOjB9fSwiTGluZVdlaWdodCI6MC4wLCJMaW5lVHlwZSI6MCwiUGFyZW50U3R5bGUiOm51bGx9LCJQYXJlbnRTdHlsZSI6bnVsbH0sIk1hcmdpbiI6eyIkaWQiOiI0OTYiLCJUb3AiOjAuMCwiTGVmdCI6MC4wLCJSaWdodCI6MC4wLCJCb3R0b20iOjAuMH0sIlBhZGRpbmciOnsiJGlkIjoiNDk3IiwiVG9wIjowLjAsIkxlZnQiOjAuMCwiUmlnaHQiOjAuMCwiQm90dG9tIjowLjB9LCJCYWNrZ3JvdW5kIjpudWxsLCJJc1Zpc2libGUiOnRydWUsIldpZHRoIjowLjAsIkhlaWdodCI6MC4wLCJCb3JkZXJTdHlsZSI6bnVsbCwiUGFyZW50U3R5bGUiOm51bGx9LCJCYWNrZ3JvdW5kU3R5bGUiOnsiJGlkIjoiNDk4IiwiTWFyZ2luIjp7IiRpZCI6IjQ5OSIsIlRvcCI6MC4wLCJMZWZ0IjowLjAsIlJpZ2h0IjowLjAsIkJvdHRvbSI6MC4wfSwiUGFkZGluZyI6eyIkaWQiOiI1MDAiLCJUb3AiOjAuMCwiTGVmdCI6MC4wLCJSaWdodCI6MC4wLCJCb3R0b20iOjAuMH0sIkJhY2tncm91bmQiOnsiJGlkIjoiNTAxIiwiQ29sb3IiOnsiJGlkIjoiNTAyIiwiQSI6NTEsIlIiOjE2NSwiRyI6MTY1LCJCIjoxNjV9fSwiSXNWaXNpYmxlIjp0cnVlLCJXaWR0aCI6MC4wLCJIZWlnaHQiOjAuMCwiQm9yZGVyU3R5bGUiOnsiJGlkIjoiNTAzIiwiTGluZUNvbG9yIjp7IiRpZCI6IjUwNCIsIiR0eXBlIjoiTkxSRS5Db21tb24uRG9tLlNvbGlkQ29sb3JCcnVzaCwgTkxSRS5Db21tb24iLCJDb2xvciI6eyIkaWQiOiI1MDUiLCJBIjoyNTUsIlIiOjI1NSwiRyI6MCwiQiI6MH19LCJMaW5lV2VpZ2h0IjowLjAsIkxpbmVUeXBlIjowLCJQYXJlbnRTdHlsZSI6bnVsbH0sIlBhcmVudFN0eWxlIjpudWxsfSwiSXNBYm92ZVRpbWViYW5kIjpmYWxzZSwiTWFyZ2luIjp7IiRpZCI6IjUwNiIsIlRvcCI6MC4wLCJMZWZ0IjowLjAsIlJpZ2h0IjowLjAsIkJvdHRvbSI6MC4wfSwiUGFkZGluZyI6eyIkaWQiOiI1MDciLCJUb3AiOjAuMCwiTGVmdCI6MC4wLCJSaWdodCI6MC4wLCJCb3R0b20iOjAuMH0sIklzVmlzaWJsZSI6dHJ1ZSwiV2lkdGgiOjAuMCwiSGVpZ2h0IjowLjAsIkJvcmRlclN0eWxlIjp7IiRpZCI6IjUwOCIsIkxpbmVDb2xvciI6bnVsbCwiTGluZVdlaWdodCI6MC4wLCJMaW5lVHlwZSI6MCwiUGFyZW50U3R5bGUiOm51bGx9LCJQYXJlbnRTdHlsZSI6bnVsbH19LHsiJGlkIjoiNTA5IiwiX2FjdGl2aXRpZXMiOlt7IiRpZCI6IjUxMCIsIl9yb3dzIjpbeyIkaWQiOiI1MTEiLCJfdGFza3MiOlt7IiRpZCI6IjUxMiIsIl9hdHRhY2hlZE1pbGVzdG9uZXMiOltdLCJUYXNrRGVmaW5pdGlvbiI6eyIkaWQiOiI1MTMiLCJHcm91cE5hbWUiOm51bGwsIlN0YXJ0RGF0ZSI6IjIwMjItMDUtMDdUMDA6MDA6MDBaIiwiRW5kRGF0ZSI6IjIwMjItMDYtMjlUMjM6NTk6MDBaIiwiUGVyY2VudGFnZUNvbXBsZXRlIjpudWxsLCJTdHlsZSI6eyIkaWQiOiI1MTQiLCJTaGFwZSI6MSwiU2hhcGVUaGlja25lc3MiOjEsIkR1cmF0aW9uRm9ybWF0IjowLCJJbmNsdWRlTm9uV29ya2luZ0RheXNJbkR1cmF0aW9uIjpmYWxzZSwiUGVyY2VudGFnZUNvbXBsZXRlU3R5bGUiOnsiJGlkIjoiNTE1IiwiRm9udFNldHRpbmdzIjp7IiRpZCI6IjUxNiIsIkZvbnRTaXplIjoxMCwiRm9udE5hbWUiOiJDYWxpYnJpIiwiSXNCb2xkIjpmYWxzZSwiSXNJdGFsaWMiOmZhbHNlLCJJc1VuZGVybGluZWQiOmZhbHNlLCJQYXJlbnRTdHlsZSI6bnVsbH0sIkF1dG9TaXplIjowLCJGb3JlZ3JvdW5kIjp7IiRyZWYiOiIxMCJ9LCJNYXhXaWR0aCI6MjAwLjAsIk1heEhlaWdodCI6IkluZmluaXR5IiwiU21hcnRGb3JlZ3JvdW5kSXNBY3RpdmUiOmZhbHNlLCJIb3Jpem9udGFsQWxpZ25tZW50IjowLCJWZXJ0aWNhbEFsaWdubWVudCI6MCwiU21hcnRGb3JlZ3JvdW5kIjpudWxsLCJCYWNrZ3JvdW5kRmlsbFR5cGUiOjAsIk1hcmdpbiI6eyIkcmVmIjoiNjcifSwiUGFkZGluZyI6eyIkcmVmIjoiNjgifSwiQmFja2dyb3VuZCI6eyIkcmVmIjoiNjkifSwiSXNWaXNpYmxlIjp0cnVlLCJXaWR0aCI6MC4wLCJIZWlnaHQiOjAuMCwiQm9yZGVyU3R5bGUiOnsiJGlkIjoiNTE3IiwiTGluZUNvbG9yIjpudWxsLCJMaW5lV2VpZ2h0IjowLjAsIkxpbmVUeXBlIjowLCJQYXJlbnRTdHlsZSI6bnVsbH0sIlBhcmVudFN0eWxlIjpudWxsfSwiRHVyYXRpb25TdHlsZSI6eyIkaWQiOiI1MTgiLCJGb250U2V0dGluZ3MiOnsiJGlkIjoiNTE5IiwiRm9udFNpemUiOjEwLCJGb250TmFtZSI6IkNhbGlicmkiLCJJc0JvbGQiOmZhbHNlLCJJc0l0YWxpYyI6ZmFsc2UsIklzVW5kZXJsaW5lZCI6ZmFsc2UsIlBhcmVudFN0eWxlIjpudWxsfSwiQXV0b1NpemUiOjAsIkZvcmVncm91bmQiOnsiJHJlZiI6Ijc0In0sIk1heFdpZHRoIjoyMDAuMCwiTWF4SGVpZ2h0IjoiSW5maW5pdHkiLCJTbWFydEZvcmVncm91bmRJc0FjdGl2ZSI6ZmFsc2UsIkhvcml6b250YWxBbGlnbm1lbnQiOjAsIlZlcnRpY2FsQWxpZ25tZW50IjowLCJTbWFydEZvcmVncm91bmQiOm51bGwsIkJhY2tncm91bmRGaWxsVHlwZSI6MCwiTWFyZ2luIjp7IiRyZWYiOiI3NiJ9LCJQYWRkaW5nIjp7IiRyZWYiOiI3NyJ9LCJCYWNrZ3JvdW5kIjp7IiRyZWYiOiI3OCJ9LCJJc1Zpc2libGUiOnRydWUsIldpZHRoIjowLjAsIkhlaWdodCI6MC4wLCJCb3JkZXJTdHlsZSI6eyIkaWQiOiI1MjAiLCJMaW5lQ29sb3IiOm51bGwsIkxpbmVXZWlnaHQiOjAuMCwiTGluZVR5cGUiOjAsIlBhcmVudFN0eWxlIjpudWxsfSwiUGFyZW50U3R5bGUiOm51bGx9LCJIb3Jpem9udGFsQ29ubmVjdG9yU3R5bGUiOnsiJGlkIjoiNTIxIiwiTGluZUNvbG9yIjp7IiRyZWYiOiI4MSJ9LCJMaW5lV2VpZ2h0IjoxLjAsIkxpbmVUeXBlIjowLCJQYXJlbnRTdHlsZSI6bnVsbH0sIlZlcnRpY2FsQ29ubmVjdG9yU3R5bGUiOnsiJGlkIjoiNTIyIiwiTGluZUNvbG9yIjp7IiRyZWYiOiI4NCJ9LCJMaW5lV2VpZ2h0IjowLjAsIkxpbmVUeXBlIjowLCJQYXJlbnRTdHlsZSI6bnVsbH0sIk1hcmdpbiI6bnVsbCwiU3RhcnREYXRlUG9zaXRpb24iOjMsIkVuZERhdGVQb3NpdGlvbiI6NCwiRGF0ZUlzVmlzaWJsZSI6dHJ1ZSwiVGl0bGVQb3NpdGlvbiI6MiwiRHVyYXRpb25Qb3NpdGlvbiI6NiwiUGVyY2VudGFnZUNvbXBsZXRlZFBvc2l0aW9uIjo2LCJTcGFjaW5nIjo1LCJJc0JlbG93VGltZWJhbmQiOnRydWUsIlBlcmNlbnRhZ2VDb21wbGV0ZVNoYXBlT3BhY2l0eSI6MzUsIlNoYXBlU3R5bGUiOnsiJGlkIjoiNTIzIiwiTWFyZ2luIjp7IiRyZWYiOiI4NyJ9LCJQYWRkaW5nIjp7IiRyZWYiOiI4OCJ9LCJCYWNrZ3JvdW5kIjp7IiRpZCI6IjUyNCIsIkNvbG9yIjp7IiRpZCI6IjUyNSIsIkEiOjI1NSwiUiI6MjYsIkciOjE3MCwiQiI6NjZ9fSwiSXNWaXNpYmxlIjp0cnVlLCJXaWR0aCI6MC4wLCJIZWlnaHQiOjE2LjAsIkJvcmRlclN0eWxlIjp7IiRpZCI6IjUyNiIsIkxpbmVDb2xvciI6eyIkaWQiOiI1MjciLCIkdHlwZSI6Ik5MUkUuQ29tbW9uLkRvbS5Tb2xpZENvbG9yQnJ1c2gsIE5MUkUuQ29tbW9uIiwiQ29sb3IiOnsiJGlkIjoiNTI4IiwiQSI6MjU1LCJSIjoyNTUsIkciOjAsIkIiOjB9fSwiTGluZVdlaWdodCI6MC4wLCJMaW5lVHlwZSI6MCwiUGFyZW50U3R5bGUiOm51bGx9LCJQYXJlbnRTdHlsZSI6bnVsbH0sIlRpdGxlU3R5bGUiOnsiJGlkIjoiNTI5IiwiRm9udFNldHRpbmdzIjp7IiRpZCI6IjUzMCIsIkZvbnRTaXplIjoxMSwiRm9udE5hbWUiOiJDYWxpYnJpIiwiSXNCb2xkIjp0cnVlLCJJc0l0YWxpYyI6ZmFsc2UsIklzVW5kZXJsaW5lZCI6ZmFsc2UsIlBhcmVudFN0eWxlIjpudWxsfSwiQXV0b1NpemUiOjAsIkZvcmVncm91bmQiOnsiJGlkIjoiNTMxIiwiQ29sb3IiOnsiJGlkIjoiNTMyIiwiQSI6MjU1LCJSIjowLCJHIjowLCJCIjowfX0sIk1heFdpZHRoIjo3MjAuMCwiTWF4SGVpZ2h0IjoiSW5maW5pdHkiLCJTbWFydEZvcmVncm91bmRJc0FjdGl2ZSI6ZmFsc2UsIkhvcml6b250YWxBbGlnbm1lbnQiOjEsIlZlcnRpY2FsQWxpZ25tZW50IjowLCJTbWFydEZvcmVncm91bmQiOm51bGwsIkJhY2tncm91bmRGaWxsVHlwZSI6MCwiTWFyZ2luIjp7IiRyZWYiOiI5OCJ9LCJQYWRkaW5nIjp7IiRyZWYiOiI5OSJ9LCJCYWNrZ3JvdW5kIjp7IiRpZCI6IjUzMyIsIkNvbG9yIjp7IiRpZCI6IjUzNCIsIkEiOjAsIlIiOjI1NSwiRyI6MjU1LCJCIjoyNTV9fSwiSXNWaXNpYmxlIjp0cnVlLCJXaWR0aCI6MC4wLCJIZWlnaHQiOjAuMCwiQm9yZGVyU3R5bGUiOnsiJGlkIjoiNTM1IiwiTGluZUNvbG9yIjpudWxsLCJMaW5lV2VpZ2h0IjowLjAsIkxpbmVUeXBlIjowLCJQYXJlbnRTdHlsZSI6bnVsbH0sIlBhcmVudFN0eWxlIjpudWxsfSwiRGF0ZVN0eWxlIjp7IiRpZCI6IjUzNiIsIkZvbnRTZXR0aW5ncyI6eyIkaWQiOiI1MzciLCJGb250U2l6ZSI6MTAsIkZvbnROYW1lIjoiQ2FsaWJyaSIsIklzQm9sZCI6ZmFsc2UsIklzSXRhbGljIjpmYWxzZSwiSXNVbmRlcmxpbmVkIjpmYWxzZSwiUGFyZW50U3R5bGUiOm51bGx9LCJBdXRvU2l6ZSI6MCwiRm9yZWdyb3VuZCI6eyIkaWQiOiI1MzgiLCJDb2xvciI6eyIkaWQiOiI1MzkiLCJBIjoyNTUsIlIiOjY4LCJHIjo4NCwiQiI6MTA2fX0sIk1heFdpZHRoIjoyMDAuMCwiTWF4SGVpZ2h0IjoiSW5maW5pdHkiLCJTbWFydEZvcmVncm91bmRJc0FjdGl2ZSI6ZmFsc2UsIkhvcml6b250YWxBbGlnbm1lbnQiOjEsIlZlcnRpY2FsQWxpZ25tZW50IjowLCJTbWFydEZvcmVncm91bmQiOm51bGwsIkJhY2tncm91bmRGaWxsVHlwZSI6MCwiTWFyZ2luIjp7IiRyZWYiOiIxMDcifSwiUGFkZGluZyI6eyIkcmVmIjoiMTA4In0sIkJhY2tncm91bmQiOnsiJGlkIjoiNTQwIiwiQ29sb3IiOnsiJGlkIjoiNTQxIiwiQSI6MCwiUiI6MjU1LCJHIjoyNTUsIkIiOjI1NX19LCJJc1Zpc2libGUiOnRydWUsIldpZHRoIjowLjAsIkhlaWdodCI6MC4wLCJCb3JkZXJTdHlsZSI6eyIkaWQiOiI1NDIiLCJMaW5lQ29sb3IiOm51bGwsIkxpbmVXZWlnaHQiOjAuMCwiTGluZVR5cGUiOjAsIlBhcmVudFN0eWxlIjpudWxsfSwiUGFyZW50U3R5bGUiOm51bGx9LCJEYXRlRm9ybWF0Ijp7IiRpZCI6IjU0MyIsIkZvcm1hdFN0cmluZyI6Ik1NTSBkIiwiU2VwYXJhdG9yIjoiLyIsIlVzZUludGVybmF0aW9uYWxEYXRlRm9ybWF0IjpmYWxzZSwiRGF0ZUlzVmlzaWJsZSI6dHJ1ZSwiVGltZUlzVmlzaWJsZSI6ZmFsc2UsIkhvdXJEaWdpdHMiOjEsIkFtUG1EZXNpZ25hdG9yIjoyLCJUcmltMDBNaW51dGVzIjpmYWxzZSwiTGFzdEtub3duVmlzaWJpbGl0eVN0YXRlIjpudWxsfSwiV2Vla051bWJlcmluZyI6eyIkaWQiOiI1NDQiLCJGb3JtYXQiOjAsIklzVmlzaWJsZSI6ZmFsc2UsIkxhc3RLbm93blZpc2liaWxpdHlTdGF0ZSI6ZmFsc2V9LCJJc1Zpc2libGUiOnRydWUsIlBhcmVudFN0eWxlIjpudWxsfSwiSW5kZXgiOjEyLCJTbWFydER1cmF0aW9uQWN0aXZhdGVkIjpmYWxzZSwiRGF0ZUZvcm1hdCI6eyIkcmVmIjoiNTQzIn0sIldlZWtOdW1iZXJpbmciOnsiJGlkIjoiNTQ1IiwiRm9ybWF0IjowLCJJc1Zpc2libGUiOmZhbHNlLCJMYXN0S25vd25WaXNpYmlsaXR5U3RhdGUiOmZhbHNlfSwiSWQiOiIwYzMwZTg3OC04YmU3LTRiNTUtYjU0Mi1jZDFmMTNkOTAwOTMiLCJJbXBvcnRJZCI6bnVsbCwiVGl0bGUiOiJDb2RpbmcgJiBEQiBJbml0aWF0aW9uICYgVGVzdGluZyIsIk5vdGUiOm51bGwsIkh5cGVybGluayI6eyIkaWQiOiI1NDYiLCJBZGRyZXNzIjoiIiwiU3ViQWRkcmVzcyI6IiJ9LCJJc0NoYW5nZWQiOmZhbHNlLCJJc05ldyI6ZmFsc2V9fV0sIl9taWxlc3RvbmVzIjpbXSwiSWQiOiIwMDAwMDAwMC0wMDAwLTAwMDAtMDAwMC0wMDAwMDAwMDAwMDAiLCJJc1NpbmdsZUl0ZW1Sb3ciOnRydWV9XSwiSW5kZXgiOjExLCJJZCI6ImIyYmZiYzBmLTBjZDktNDY0My1hMzFlLTBkYTk4MWQzOGU5OCIsIkhlYWRlclRleHQiOm51bGwsIklzRGVmYXVsdCI6dHJ1ZSwiU3R5bGUiOnsiJGlkIjoiNTQ3IiwiSGVhZGVyU3R5bGUiOnsiJGlkIjoiNTQ4IiwiVGV4dFN0eWxlIjp7IiRpZCI6IjU0OSIsIkZvbnRTZXR0aW5ncyI6eyIkaWQiOiI1NTAiLCJGb250U2l6ZSI6MTEsIkZvbnROYW1lIjoiQ2FsaWJyaSIsIklzQm9sZCI6ZmFsc2UsIklzSXRhbGljIjpmYWxzZSwiSXNVbmRlcmxpbmVkIjpmYWxzZSwiUGFyZW50U3R5bGUiOm51bGx9LCJBdXRvU2l6ZSI6MiwiRm9yZWdyb3VuZCI6eyIkaWQiOiI1NTEiLCJDb2xvciI6eyIkaWQiOiI1NTIiLCJBIjoyNTUsIlIiOjAsIkciOjAsIkIiOjB9fSwiTWF4V2lkdGgiOjAuMCwiTWF4SGVpZ2h0IjoiSW5maW5pdHkiLCJTbWFydEZvcmVncm91bmRJc0FjdGl2ZSI6ZmFsc2UsIkhvcml6b250YWxBbGlnbm1lbnQiOjAsIlZlcnRpY2FsQWxpZ25tZW50IjowLCJTbWFydEZvcmVncm91bmQiOm51bGwsIkJhY2tncm91bmRGaWxsVHlwZSI6MCwiTWFyZ2luIjp7IiRpZCI6IjU1MyIsIlRvcCI6MC4wLCJMZWZ0IjowLjAsIlJpZ2h0IjowLjAsIkJvdHRvbSI6MC4wfSwiUGFkZGluZyI6eyIkaWQiOiI1NTQiLCJUb3AiOjAuMCwiTGVmdCI6MC4wLCJSaWdodCI6MC4wLCJCb3R0b20iOjAuMH0sIkJhY2tncm91bmQiOm51bGwsIklzVmlzaWJsZSI6dHJ1ZSwiV2lkdGgiOjAuMCwiSGVpZ2h0IjowLjAsIkJvcmRlclN0eWxlIjpudWxsLCJQYXJlbnRTdHlsZSI6bnVsbH0sIlJlY3RhbmdsZVN0eWxlIjp7IiRpZCI6IjU1NSIsIk1hcmdpbiI6eyIkaWQiOiI1NTYiLCJUb3AiOjAuMCwiTGVmdCI6MC4wLCJSaWdodCI6MC4wLCJCb3R0b20iOjAuMH0sIlBhZGRpbmciOnsiJGlkIjoiNTU3IiwiVG9wIjowLjAsIkxlZnQiOjAuMCwiUmlnaHQiOjAuMCwiQm90dG9tIjowLjB9LCJCYWNrZ3JvdW5kIjp7IiRpZCI6IjU1OCIsIkNvbG9yIjp7IiRpZCI6IjU1OSIsIkEiOjYzLCJSIjo5MSwiRyI6MTU1LCJCIjoyMTN9fSwiSXNWaXNpYmxlIjp0cnVlLCJXaWR0aCI6MC4wLCJIZWlnaHQiOjAuMCwiQm9yZGVyU3R5bGUiOnsiJGlkIjoiNTYwIiwiTGluZUNvbG9yIjp7IiRpZCI6IjU2MSIsIiR0eXBlIjoiTkxSRS5Db21tb24uRG9tLlNvbGlkQ29sb3JCcnVzaCwgTkxSRS5Db21tb24iLCJDb2xvciI6eyIkaWQiOiI1NjIiLCJBIjoyNTUsIlIiOjI1NSwiRyI6MCwiQiI6MH19LCJMaW5lV2VpZ2h0IjowLjAsIkxpbmVUeXBlIjowLCJQYXJlbnRTdHlsZSI6bnVsbH0sIlBhcmVudFN0eWxlIjpudWxsfSwiTWFyZ2luIjp7IiRpZCI6IjU2MyIsIlRvcCI6MC4wLCJMZWZ0IjowLjAsIlJpZ2h0IjowLjAsIkJvdHRvbSI6MC4wfSwiUGFkZGluZyI6eyIkaWQiOiI1NjQiLCJUb3AiOjAuMCwiTGVmdCI6MC4wLCJSaWdodCI6MC4wLCJCb3R0b20iOjAuMH0sIkJhY2tncm91bmQiOm51bGwsIklzVmlzaWJsZSI6dHJ1ZSwiV2lkdGgiOjAuMCwiSGVpZ2h0IjowLjAsIkJvcmRlclN0eWxlIjpudWxsLCJQYXJlbnRTdHlsZSI6bnVsbH0sIkJhY2tncm91bmRTdHlsZSI6eyIkaWQiOiI1NjUiLCJNYXJnaW4iOnsiJGlkIjoiNTY2IiwiVG9wIjowLjAsIkxlZnQiOjAuMCwiUmlnaHQiOjAuMCwiQm90dG9tIjowLjB9LCJQYWRkaW5nIjp7IiRpZCI6IjU2NyIsIlRvcCI6MC4wLCJMZWZ0IjowLjAsIlJpZ2h0IjowLjAsIkJvdHRvbSI6MC4wfSwiQmFja2dyb3VuZCI6eyIkaWQiOiI1NjgiLCJDb2xvciI6eyIkaWQiOiI1NjkiLCJBIjo1MSwiUiI6MTY1LCJHIjoxNjUsIkIiOjE2NX19LCJJc1Zpc2libGUiOnRydWUsIldpZHRoIjowLjAsIkhlaWdodCI6MC4wLCJCb3JkZXJTdHlsZSI6eyIkaWQiOiI1NzAiLCJMaW5lQ29sb3IiOnsiJGlkIjoiNTcxIiwiJHR5cGUiOiJOTFJFLkNvbW1vbi5Eb20uU29saWRDb2xvckJydXNoLCBOTFJFLkNvbW1vbiIsIkNvbG9yIjp7IiRpZCI6IjU3MiIsIkEiOjI1NSwiUiI6MjU1LCJHIjowLCJCIjowfX0sIkxpbmVXZWlnaHQiOjAuMCwiTGluZVR5cGUiOjAsIlBhcmVudFN0eWxlIjpudWxsfSwiUGFyZW50U3R5bGUiOm51bGx9LCJNYXJnaW4iOnsiJGlkIjoiNTczIiwiVG9wIjowLjAsIkxlZnQiOjAuMCwiUmlnaHQiOjAuMCwiQm90dG9tIjowLjB9LCJQYWRkaW5nIjp7IiRpZCI6IjU3NCIsIlRvcCI6MC4wLCJMZWZ0IjowLjAsIlJpZ2h0IjowLjAsIkJvdHRvbSI6MC4wfSwiSXNWaXNpYmxlIjpmYWxzZSwiV2lkdGgiOjAuMCwiSGVpZ2h0IjowLjAsIkJvcmRlclN0eWxlIjpudWxsLCJQYXJlbnRTdHlsZSI6bnVsbH19XSwiSWQiOiIyYWFlNTFmNy1iNDYwLTQ5ZGQtYjlmMC03MjExYjY2ZjhkNGYiLCJJbmRleCI6MTEsIkhlYWRlclRleHQiOiJTb2Z0d2FyZSBJbXBsZW1lbnRhdGlvbiIsIlN0eWxlIjp7IiRpZCI6IjU3NSIsIkhlYWRlclN0eWxlIjp7IiRpZCI6IjU3NiIsIlRleHRJc1ZlcnRpY2FsIjpmYWxzZSwiVGV4dFN0eWxlIjp7IiRpZCI6IjU3NyIsIkZvbnRTZXR0aW5ncyI6eyIkaWQiOiI1NzgiLCJGb250U2l6ZSI6MTIsIkZvbnROYW1lIjoiQ2FsaWJyaSIsIklzQm9sZCI6ZmFsc2UsIklzSXRhbGljIjpmYWxzZSwiSXNVbmRlcmxpbmVkIjpmYWxzZSwiUGFyZW50U3R5bGUiOm51bGx9LCJBdXRvU2l6ZSI6MiwiRm9yZWdyb3VuZCI6eyIkaWQiOiI1NzkiLCJDb2xvciI6eyIkaWQiOiI1ODAiLCJBIjoyNTUsIlIiOjI1NSwiRyI6MjU1LCJCIjoyNTV9fSwiTWF4V2lkdGgiOjE2MC4wLCJNYXhIZWlnaHQiOiJJbmZpbml0eSIsIlNtYXJ0Rm9yZWdyb3VuZElzQWN0aXZlIjpmYWxzZSwiSG9yaXpvbnRhbEFsaWdubWVudCI6MCwiVmVydGljYWxBbGlnbm1lbnQiOjAsIlNtYXJ0Rm9yZWdyb3VuZCI6bnVsbCwiQmFja2dyb3VuZEZpbGxUeXBlIjowLCJNYXJnaW4iOnsiJGlkIjoiNTgxIiwiVG9wIjowLjAsIkxlZnQiOjAuMCwiUmlnaHQiOjAuMCwiQm90dG9tIjowLjB9LCJQYWRkaW5nIjp7IiRpZCI6IjU4MiIsIlRvcCI6MC4wLCJMZWZ0IjowLjAsIlJpZ2h0IjowLjAsIkJvdHRvbSI6MC4wfSwiQmFja2dyb3VuZCI6bnVsbCwiSXNWaXNpYmxlIjp0cnVlLCJXaWR0aCI6MC4wLCJIZWlnaHQiOjAuMCwiQm9yZGVyU3R5bGUiOm51bGwsIlBhcmVudFN0eWxlIjpudWxsfSwiUmVjdGFuZ2xlU3R5bGUiOnsiJGlkIjoiNTgzIiwiTWFyZ2luIjp7IiRpZCI6IjU4NCIsIlRvcCI6MC4wLCJMZWZ0IjowLjAsIlJpZ2h0IjowLjAsIkJvdHRvbSI6MC4wfSwiUGFkZGluZyI6eyIkaWQiOiI1ODUiLCJUb3AiOjAuMCwiTGVmdCI6MC4wLCJSaWdodCI6MC4wLCJCb3R0b20iOjAuMH0sIkJhY2tncm91bmQiOnsiJGlkIjoiNTg2IiwiQ29sb3IiOnsiJGlkIjoiNTg3IiwiQSI6MjU1LCJSIjo5MSwiRyI6MTU1LCJCIjoyMTN9fSwiSXNWaXNpYmxlIjp0cnVlLCJXaWR0aCI6MC4wLCJIZWlnaHQiOjAuMCwiQm9yZGVyU3R5bGUiOnsiJGlkIjoiNTg4IiwiTGluZUNvbG9yIjp7IiRpZCI6IjU4OSIsIiR0eXBlIjoiTkxSRS5Db21tb24uRG9tLlNvbGlkQ29sb3JCcnVzaCwgTkxSRS5Db21tb24iLCJDb2xvciI6eyIkaWQiOiI1OTAiLCJBIjoyNTUsIlIiOjI1NSwiRyI6MCwiQiI6MH19LCJMaW5lV2VpZ2h0IjowLjAsIkxpbmVUeXBlIjowLCJQYXJlbnRTdHlsZSI6bnVsbH0sIlBhcmVudFN0eWxlIjpudWxsfSwiTWFyZ2luIjp7IiRpZCI6IjU5MSIsIlRvcCI6MC4wLCJMZWZ0IjowLjAsIlJpZ2h0IjowLjAsIkJvdHRvbSI6MC4wfSwiUGFkZGluZyI6eyIkaWQiOiI1OTIiLCJUb3AiOjAuMCwiTGVmdCI6MC4wLCJSaWdodCI6MC4wLCJCb3R0b20iOjAuMH0sIkJhY2tncm91bmQiOm51bGwsIklzVmlzaWJsZSI6dHJ1ZSwiV2lkdGgiOjAuMCwiSGVpZ2h0IjowLjAsIkJvcmRlclN0eWxlIjpudWxsLCJQYXJlbnRTdHlsZSI6bnVsbH0sIkJhY2tncm91bmRTdHlsZSI6eyIkaWQiOiI1OTMiLCJNYXJnaW4iOnsiJGlkIjoiNTk0IiwiVG9wIjowLjAsIkxlZnQiOjAuMCwiUmlnaHQiOjAuMCwiQm90dG9tIjowLjB9LCJQYWRkaW5nIjp7IiRpZCI6IjU5NSIsIlRvcCI6MC4wLCJMZWZ0IjowLjAsIlJpZ2h0IjowLjAsIkJvdHRvbSI6MC4wfSwiQmFja2dyb3VuZCI6eyIkaWQiOiI1OTYiLCJDb2xvciI6eyIkaWQiOiI1OTciLCJBIjo1MSwiUiI6MTY1LCJHIjoxNjUsIkIiOjE2NX19LCJJc1Zpc2libGUiOnRydWUsIldpZHRoIjowLjAsIkhlaWdodCI6MC4wLCJCb3JkZXJTdHlsZSI6eyIkaWQiOiI1OTgiLCJMaW5lQ29sb3IiOnsiJGlkIjoiNTk5IiwiJHR5cGUiOiJOTFJFLkNvbW1vbi5Eb20uU29saWRDb2xvckJydXNoLCBOTFJFLkNvbW1vbiIsIkNvbG9yIjp7IiRpZCI6IjYwMCIsIkEiOjI1NSwiUiI6MjU1LCJHIjowLCJCIjowfX0sIkxpbmVXZWlnaHQiOjAuMCwiTGluZVR5cGUiOjAsIlBhcmVudFN0eWxlIjpudWxsfSwiUGFyZW50U3R5bGUiOm51bGx9LCJJc0Fib3ZlVGltZWJhbmQiOmZhbHNlLCJNYXJnaW4iOnsiJGlkIjoiNjAxIiwiVG9wIjowLjAsIkxlZnQiOjAuMCwiUmlnaHQiOjAuMCwiQm90dG9tIjowLjB9LCJQYWRkaW5nIjp7IiRpZCI6IjYwMiIsIlRvcCI6MC4wLCJMZWZ0IjowLjAsIlJpZ2h0IjowLjAsIkJvdHRvbSI6MC4wfSwiSXNWaXNpYmxlIjp0cnVlLCJXaWR0aCI6MC4wLCJIZWlnaHQiOjAuMCwiQm9yZGVyU3R5bGUiOnsiJGlkIjoiNjAzIiwiTGluZUNvbG9yIjpudWxsLCJMaW5lV2VpZ2h0IjowLjAsIkxpbmVUeXBlIjowLCJQYXJlbnRTdHlsZSI6bnVsbH0sIlBhcmVudFN0eWxlIjpudWxsfX0seyIkaWQiOiI2MDQiLCJfYWN0aXZpdGllcyI6W3siJGlkIjoiNjA1IiwiX3Jvd3MiOlt7IiRpZCI6IjYwNiIsIl90YXNrcyI6W3siJGlkIjoiNjA3IiwiX2F0dGFjaGVkTWlsZXN0b25lcyI6W10sIlRhc2tEZWZpbml0aW9uIjp7IiRpZCI6IjYwOCIsIkdyb3VwTmFtZSI6bnVsbCwiU3RhcnREYXRlIjoiMjAyMi0wNi0zMFQwMDowMDowMFoiLCJFbmREYXRlIjoiMjAyMi0wNi0zMFQyMzo1OTowMFoiLCJQZXJjZW50YWdlQ29tcGxldGUiOm51bGwsIlN0eWxlIjp7IiRpZCI6IjYwOSIsIlNoYXBlIjoxLCJTaGFwZVRoaWNrbmVzcyI6MSwiRHVyYXRpb25Gb3JtYXQiOjAsIkluY2x1ZGVOb25Xb3JraW5nRGF5c0luRHVyYXRpb24iOmZhbHNlLCJQZXJjZW50YWdlQ29tcGxldGVTdHlsZSI6eyIkaWQiOiI2MTAiLCJGb250U2V0dGluZ3MiOnsiJGlkIjoiNjExIiwiRm9udFNpemUiOjEwLCJGb250TmFtZSI6IkNhbGlicmkiLCJJc0JvbGQiOmZhbHNlLCJJc0l0YWxpYyI6ZmFsc2UsIklzVW5kZXJsaW5lZCI6ZmFsc2UsIlBhcmVudFN0eWxlIjpudWxsfSwiQXV0b1NpemUiOjAsIkZvcmVncm91bmQiOnsiJHJlZiI6IjEwIn0sIk1heFdpZHRoIjoyMDAuMCwiTWF4SGVpZ2h0IjoiSW5maW5pdHkiLCJTbWFydEZvcmVncm91bmRJc0FjdGl2ZSI6ZmFsc2UsIkhvcml6b250YWxBbGlnbm1lbnQiOjAsIlZlcnRpY2FsQWxpZ25tZW50IjowLCJTbWFydEZvcmVncm91bmQiOm51bGwsIkJhY2tncm91bmRGaWxsVHlwZSI6MCwiTWFyZ2luIjp7IiRyZWYiOiI2NyJ9LCJQYWRkaW5nIjp7IiRyZWYiOiI2OCJ9LCJCYWNrZ3JvdW5kIjp7IiRyZWYiOiI2OSJ9LCJJc1Zpc2libGUiOnRydWUsIldpZHRoIjowLjAsIkhlaWdodCI6MC4wLCJCb3JkZXJTdHlsZSI6eyIkaWQiOiI2MTIiLCJMaW5lQ29sb3IiOm51bGwsIkxpbmVXZWlnaHQiOjAuMCwiTGluZVR5cGUiOjAsIlBhcmVudFN0eWxlIjpudWxsfSwiUGFyZW50U3R5bGUiOm51bGx9LCJEdXJhdGlvblN0eWxlIjp7IiRpZCI6IjYxMyIsIkZvbnRTZXR0aW5ncyI6eyIkaWQiOiI2MTQiLCJGb250U2l6ZSI6MTAsIkZvbnROYW1lIjoiQ2FsaWJyaSIsIklzQm9sZCI6ZmFsc2UsIklzSXRhbGljIjpmYWxzZSwiSXNVbmRlcmxpbmVkIjpmYWxzZSwiUGFyZW50U3R5bGUiOm51bGx9LCJBdXRvU2l6ZSI6MCwiRm9yZWdyb3VuZCI6eyIkcmVmIjoiNzQifSwiTWF4V2lkdGgiOjIwMC4wLCJNYXhIZWlnaHQiOiJJbmZpbml0eSIsIlNtYXJ0Rm9yZWdyb3VuZElzQWN0aXZlIjpmYWxzZSwiSG9yaXpvbnRhbEFsaWdubWVudCI6MCwiVmVydGljYWxBbGlnbm1lbnQiOjAsIlNtYXJ0Rm9yZWdyb3VuZCI6bnVsbCwiQmFja2dyb3VuZEZpbGxUeXBlIjowLCJNYXJnaW4iOnsiJHJlZiI6Ijc2In0sIlBhZGRpbmciOnsiJHJlZiI6Ijc3In0sIkJhY2tncm91bmQiOnsiJHJlZiI6Ijc4In0sIklzVmlzaWJsZSI6dHJ1ZSwiV2lkdGgiOjAuMCwiSGVpZ2h0IjowLjAsIkJvcmRlclN0eWxlIjp7IiRpZCI6IjYxNSIsIkxpbmVDb2xvciI6bnVsbCwiTGluZVdlaWdodCI6MC4wLCJMaW5lVHlwZSI6MCwiUGFyZW50U3R5bGUiOm51bGx9LCJQYXJlbnRTdHlsZSI6bnVsbH0sIkhvcml6b250YWxDb25uZWN0b3JTdHlsZSI6eyIkaWQiOiI2MTYiLCJMaW5lQ29sb3IiOnsiJHJlZiI6IjgxIn0sIkxpbmVXZWlnaHQiOjEuMCwiTGluZVR5cGUiOjAsIlBhcmVudFN0eWxlIjpudWxsfSwiVmVydGljYWxDb25uZWN0b3JTdHlsZSI6eyIkaWQiOiI2MTciLCJMaW5lQ29sb3IiOnsiJHJlZiI6Ijg0In0sIkxpbmVXZWlnaHQiOjAuMCwiTGluZVR5cGUiOjAsIlBhcmVudFN0eWxlIjpudWxsfSwiTWFyZ2luIjpudWxsLCJTdGFydERhdGVQb3NpdGlvbiI6MywiRW5kRGF0ZVBvc2l0aW9uIjo0LCJEYXRlSXNWaXNpYmxlIjp0cnVlLCJUaXRsZVBvc2l0aW9uIjowLCJEdXJhdGlvblBvc2l0aW9uIjo2LCJQZXJjZW50YWdlQ29tcGxldGVkUG9zaXRpb24iOjYsIlNwYWNpbmciOjUsIklzQmVsb3dUaW1lYmFuZCI6dHJ1ZSwiUGVyY2VudGFnZUNvbXBsZXRlU2hhcGVPcGFjaXR5IjozNSwiU2hhcGVTdHlsZSI6eyIkaWQiOiI2MTgiLCJNYXJnaW4iOnsiJHJlZiI6Ijg3In0sIlBhZGRpbmciOnsiJHJlZiI6Ijg4In0sIkJhY2tncm91bmQiOnsiJGlkIjoiNjE5IiwiQ29sb3IiOnsiJGlkIjoiNjIwIiwiQSI6MjU1LCJSIjoyNiwiRyI6MTcwLCJCIjo2Nn19LCJJc1Zpc2libGUiOnRydWUsIldpZHRoIjowLjAsIkhlaWdodCI6MTYuMCwiQm9yZGVyU3R5bGUiOnsiJGlkIjoiNjIxIiwiTGluZUNvbG9yIjp7IiRpZCI6IjYyMiIsIiR0eXBlIjoiTkxSRS5Db21tb24uRG9tLlNvbGlkQ29sb3JCcnVzaCwgTkxSRS5Db21tb24iLCJDb2xvciI6eyIkaWQiOiI2MjMiLCJBIjoyNTUsIlIiOjI1NSwiRyI6MCwiQiI6MH19LCJMaW5lV2VpZ2h0IjowLjAsIkxpbmVUeXBlIjowLCJQYXJlbnRTdHlsZSI6bnVsbH0sIlBhcmVudFN0eWxlIjpudWxsfSwiVGl0bGVTdHlsZSI6eyIkaWQiOiI2MjQiLCJGb250U2V0dGluZ3MiOnsiJGlkIjoiNjI1IiwiRm9udFNpemUiOjExLCJGb250TmFtZSI6IkNhbGlicmkiLCJJc0JvbGQiOnRydWUsIklzSXRhbGljIjpmYWxzZSwiSXNVbmRlcmxpbmVkIjpmYWxzZSwiUGFyZW50U3R5bGUiOm51bGx9LCJBdXRvU2l6ZSI6MCwiRm9yZWdyb3VuZCI6eyIkaWQiOiI2MjYiLCJDb2xvciI6eyIkaWQiOiI2MjciLCJBIjoyNTUsIlIiOjAsIkciOjAsIkIiOjB9fSwiTWF4V2lkdGgiOjcyMC4wLCJNYXhIZWlnaHQiOiJJbmZpbml0eSIsIlNtYXJ0Rm9yZWdyb3VuZElzQWN0aXZlIjpmYWxzZSwiSG9yaXpvbnRhbEFsaWdubWVudCI6MCwiVmVydGljYWxBbGlnbm1lbnQiOjAsIlNtYXJ0Rm9yZWdyb3VuZCI6bnVsbCwiQmFja2dyb3VuZEZpbGxUeXBlIjowLCJNYXJnaW4iOnsiJHJlZiI6Ijk4In0sIlBhZGRpbmciOnsiJHJlZiI6Ijk5In0sIkJhY2tncm91bmQiOnsiJGlkIjoiNjI4IiwiQ29sb3IiOnsiJGlkIjoiNjI5IiwiQSI6MCwiUiI6MjU1LCJHIjoyNTUsIkIiOjI1NX19LCJJc1Zpc2libGUiOnRydWUsIldpZHRoIjowLjAsIkhlaWdodCI6MC4wLCJCb3JkZXJTdHlsZSI6eyIkaWQiOiI2MzAiLCJMaW5lQ29sb3IiOm51bGwsIkxpbmVXZWlnaHQiOjAuMCwiTGluZVR5cGUiOjAsIlBhcmVudFN0eWxlIjpudWxsfSwiUGFyZW50U3R5bGUiOm51bGx9LCJEYXRlU3R5bGUiOnsiJGlkIjoiNjMxIiwiRm9udFNldHRpbmdzIjp7IiRpZCI6IjYzMiIsIkZvbnRTaXplIjoxMCwiRm9udE5hbWUiOiJDYWxpYnJpIiwiSXNCb2xkIjpmYWxzZSwiSXNJdGFsaWMiOmZhbHNlLCJJc1VuZGVybGluZWQiOmZhbHNlLCJQYXJlbnRTdHlsZSI6bnVsbH0sIkF1dG9TaXplIjowLCJGb3JlZ3JvdW5kIjp7IiRpZCI6IjYzMyIsIkNvbG9yIjp7IiRpZCI6IjYzNCIsIkEiOjI1NSwiUiI6NjgsIkciOjg0LCJCIjoxMDZ9fSwiTWF4V2lkdGgiOjIwMC4wLCJNYXhIZWlnaHQiOiJJbmZpbml0eSIsIlNtYXJ0Rm9yZWdyb3VuZElzQWN0aXZlIjpmYWxzZSwiSG9yaXpvbnRhbEFsaWdubWVudCI6MSwiVmVydGljYWxBbGlnbm1lbnQiOjAsIlNtYXJ0Rm9yZWdyb3VuZCI6bnVsbCwiQmFja2dyb3VuZEZpbGxUeXBlIjowLCJNYXJnaW4iOnsiJHJlZiI6IjEwNyJ9LCJQYWRkaW5nIjp7IiRyZWYiOiIxMDgifSwiQmFja2dyb3VuZCI6eyIkaWQiOiI2MzUiLCJDb2xvciI6eyIkaWQiOiI2MzYiLCJBIjowLCJSIjoyNTUsIkciOjI1NSwiQiI6MjU1fX0sIklzVmlzaWJsZSI6dHJ1ZSwiV2lkdGgiOjAuMCwiSGVpZ2h0IjowLjAsIkJvcmRlclN0eWxlIjp7IiRpZCI6IjYzNyIsIkxpbmVDb2xvciI6bnVsbCwiTGluZVdlaWdodCI6MC4wLCJMaW5lVHlwZSI6MCwiUGFyZW50U3R5bGUiOm51bGx9LCJQYXJlbnRTdHlsZSI6bnVsbH0sIkRhdGVGb3JtYXQiOnsiJGlkIjoiNjM4IiwiRm9ybWF0U3RyaW5nIjoiTU1NIGQiLCJTZXBhcmF0b3IiOiIvIiwiVXNlSW50ZXJuYXRpb25hbERhdGVGb3JtYXQiOmZhbHNlLCJEYXRlSXNWaXNpYmxlIjp0cnVlLCJUaW1lSXNWaXNpYmxlIjpmYWxzZSwiSG91ckRpZ2l0cyI6MSwiQW1QbURlc2lnbmF0b3IiOjIsIlRyaW0wME1pbnV0ZXMiOmZhbHNlLCJMYXN0S25vd25WaXNpYmlsaXR5U3RhdGUiOm51bGx9LCJXZWVrTnVtYmVyaW5nIjp7IiRpZCI6IjYzOSIsIkZvcm1hdCI6MCwiSXNWaXNpYmxlIjpmYWxzZSwiTGFzdEtub3duVmlzaWJpbGl0eVN0YXRlIjpmYWxzZX0sIklzVmlzaWJsZSI6dHJ1ZSwiUGFyZW50U3R5bGUiOm51bGx9LCJJbmRleCI6MTQsIlNtYXJ0RHVyYXRpb25BY3RpdmF0ZWQiOmZhbHNlLCJEYXRlRm9ybWF0Ijp7IiRyZWYiOiI2MzgifSwiV2Vla051bWJlcmluZyI6eyIkaWQiOiI2NDAiLCJGb3JtYXQiOjAsIklzVmlzaWJsZSI6ZmFsc2UsIkxhc3RLbm93blZpc2liaWxpdHlTdGF0ZSI6ZmFsc2V9LCJJZCI6ImZlMzA1ODE3LTRiM2QtNDQ3Yi05ZWMzLTg2Y2M4ODlkNTE1OCIsIkltcG9ydElkIjpudWxsLCJUaXRsZSI6IkRlcGxveW1lbnQiLCJOb3RlIjpudWxsLCJIeXBlcmxpbmsiOnsiJGlkIjoiNjQxIiwiQWRkcmVzcyI6IiIsIlN1YkFkZHJlc3MiOiIifSwiSXNDaGFuZ2VkIjpmYWxzZSwiSXNOZXciOmZhbHNlfX1dLCJfbWlsZXN0b25lcyI6W10sIklkIjoiMDAwMDAwMDAtMDAwMC0wMDAwLTAwMDAtMDAwMDAwMDAwMDAwIiwiSXNTaW5nbGVJdGVtUm93Ijp0cnVlfV0sIkluZGV4IjoxMywiSWQiOiI3ZjY1YzYzMy0yM2RlLTQ0YzUtYjVjMi00YTVlMTI5MWQwNjYiLCJIZWFkZXJUZXh0IjpudWxsLCJJc0RlZmF1bHQiOnRydWUsIlN0eWxlIjp7IiRpZCI6IjY0MiIsIkhlYWRlclN0eWxlIjp7IiRpZCI6IjY0MyIsIlRleHRTdHlsZSI6eyIkaWQiOiI2NDQiLCJGb250U2V0dGluZ3MiOnsiJGlkIjoiNjQ1IiwiRm9udFNpemUiOjExLCJGb250TmFtZSI6IkNhbGlicmkiLCJJc0JvbGQiOmZhbHNlLCJJc0l0YWxpYyI6ZmFsc2UsIklzVW5kZXJsaW5lZCI6ZmFsc2UsIlBhcmVudFN0eWxlIjpudWxsfSwiQXV0b1NpemUiOjIsIkZvcmVncm91bmQiOnsiJGlkIjoiNjQ2IiwiQ29sb3IiOnsiJGlkIjoiNjQ3IiwiQSI6MjU1LCJSIjowLCJHIjowLCJCIjowfX0sIk1heFdpZHRoIjowLjAsIk1heEhlaWdodCI6IkluZmluaXR5IiwiU21hcnRGb3JlZ3JvdW5kSXNBY3RpdmUiOmZhbHNlLCJIb3Jpem9udGFsQWxpZ25tZW50IjowLCJWZXJ0aWNhbEFsaWdubWVudCI6MCwiU21hcnRGb3JlZ3JvdW5kIjpudWxsLCJCYWNrZ3JvdW5kRmlsbFR5cGUiOjAsIk1hcmdpbiI6eyIkaWQiOiI2NDgiLCJUb3AiOjAuMCwiTGVmdCI6MC4wLCJSaWdodCI6MC4wLCJCb3R0b20iOjAuMH0sIlBhZGRpbmciOnsiJGlkIjoiNjQ5IiwiVG9wIjowLjAsIkxlZnQiOjAuMCwiUmlnaHQiOjAuMCwiQm90dG9tIjowLjB9LCJCYWNrZ3JvdW5kIjpudWxsLCJJc1Zpc2libGUiOnRydWUsIldpZHRoIjowLjAsIkhlaWdodCI6MC4wLCJCb3JkZXJTdHlsZSI6bnVsbCwiUGFyZW50U3R5bGUiOm51bGx9LCJSZWN0YW5nbGVTdHlsZSI6eyIkaWQiOiI2NTAiLCJNYXJnaW4iOnsiJGlkIjoiNjUxIiwiVG9wIjowLjAsIkxlZnQiOjAuMCwiUmlnaHQiOjAuMCwiQm90dG9tIjowLjB9LCJQYWRkaW5nIjp7IiRpZCI6IjY1MiIsIlRvcCI6MC4wLCJMZWZ0IjowLjAsIlJpZ2h0IjowLjAsIkJvdHRvbSI6MC4wfSwiQmFja2dyb3VuZCI6eyIkaWQiOiI2NTMiLCJDb2xvciI6eyIkaWQiOiI2NTQiLCJBIjo2MywiUiI6MjM3LCJHIjoxMjUsIkIiOjQ5fX0sIklzVmlzaWJsZSI6dHJ1ZSwiV2lkdGgiOjAuMCwiSGVpZ2h0IjowLjAsIkJvcmRlclN0eWxlIjp7IiRpZCI6IjY1NSIsIkxpbmVDb2xvciI6eyIkaWQiOiI2NTYiLCIkdHlwZSI6Ik5MUkUuQ29tbW9uLkRvbS5Tb2xpZENvbG9yQnJ1c2gsIE5MUkUuQ29tbW9uIiwiQ29sb3IiOnsiJGlkIjoiNjU3IiwiQSI6MjU1LCJSIjoyNTUsIkciOjAsIkIiOjB9fSwiTGluZVdlaWdodCI6MC4wLCJMaW5lVHlwZSI6MCwiUGFyZW50U3R5bGUiOm51bGx9LCJQYXJlbnRTdHlsZSI6bnVsbH0sIk1hcmdpbiI6eyIkaWQiOiI2NTgiLCJUb3AiOjAuMCwiTGVmdCI6MC4wLCJSaWdodCI6MC4wLCJCb3R0b20iOjAuMH0sIlBhZGRpbmciOnsiJGlkIjoiNjU5IiwiVG9wIjowLjAsIkxlZnQiOjAuMCwiUmlnaHQiOjAuMCwiQm90dG9tIjowLjB9LCJCYWNrZ3JvdW5kIjpudWxsLCJJc1Zpc2libGUiOnRydWUsIldpZHRoIjowLjAsIkhlaWdodCI6MC4wLCJCb3JkZXJTdHlsZSI6bnVsbCwiUGFyZW50U3R5bGUiOm51bGx9LCJCYWNrZ3JvdW5kU3R5bGUiOnsiJGlkIjoiNjYwIiwiTWFyZ2luIjp7IiRpZCI6IjY2MSIsIlRvcCI6MC4wLCJMZWZ0IjowLjAsIlJpZ2h0IjowLjAsIkJvdHRvbSI6MC4wfSwiUGFkZGluZyI6eyIkaWQiOiI2NjIiLCJUb3AiOjAuMCwiTGVmdCI6MC4wLCJSaWdodCI6MC4wLCJCb3R0b20iOjAuMH0sIkJhY2tncm91bmQiOnsiJGlkIjoiNjYzIiwiQ29sb3IiOnsiJGlkIjoiNjY0IiwiQSI6NTEsIlIiOjE2NSwiRyI6MTY1LCJCIjoxNjV9fSwiSXNWaXNpYmxlIjp0cnVlLCJXaWR0aCI6MC4wLCJIZWlnaHQiOjAuMCwiQm9yZGVyU3R5bGUiOnsiJGlkIjoiNjY1IiwiTGluZUNvbG9yIjp7IiRpZCI6IjY2NiIsIiR0eXBlIjoiTkxSRS5Db21tb24uRG9tLlNvbGlkQ29sb3JCcnVzaCwgTkxSRS5Db21tb24iLCJDb2xvciI6eyIkaWQiOiI2NjciLCJBIjoyNTUsIlIiOjI1NSwiRyI6MCwiQiI6MH19LCJMaW5lV2VpZ2h0IjowLjAsIkxpbmVUeXBlIjowLCJQYXJlbnRTdHlsZSI6bnVsbH0sIlBhcmVudFN0eWxlIjpudWxsfSwiTWFyZ2luIjp7IiRpZCI6IjY2OCIsIlRvcCI6MC4wLCJMZWZ0IjowLjAsIlJpZ2h0IjowLjAsIkJvdHRvbSI6MC4wfSwiUGFkZGluZyI6eyIkaWQiOiI2NjkiLCJUb3AiOjAuMCwiTGVmdCI6MC4wLCJSaWdodCI6MC4wLCJCb3R0b20iOjAuMH0sIklzVmlzaWJsZSI6ZmFsc2UsIldpZHRoIjowLjAsIkhlaWdodCI6MC4wLCJCb3JkZXJTdHlsZSI6bnVsbCwiUGFyZW50U3R5bGUiOm51bGx9fV0sIklkIjoiODczNDMxYTgtMGYwZS00N2FlLWJmZmEtYjA4ZGI5NmY5ZTVkIiwiSW5kZXgiOjEzLCJIZWFkZXJUZXh0IjoiUmVsZWFzaW5nIiwiU3R5bGUiOnsiJGlkIjoiNjcwIiwiSGVhZGVyU3R5bGUiOnsiJGlkIjoiNjcxIiwiVGV4dElzVmVydGljYWwiOmZhbHNlLCJUZXh0U3R5bGUiOnsiJGlkIjoiNjcyIiwiRm9udFNldHRpbmdzIjp7IiRpZCI6IjY3MyIsIkZvbnRTaXplIjoxMiwiRm9udE5hbWUiOiJDYWxpYnJpIiwiSXNCb2xkIjpmYWxzZSwiSXNJdGFsaWMiOmZhbHNlLCJJc1VuZGVybGluZWQiOmZhbHNlLCJQYXJlbnRTdHlsZSI6bnVsbH0sIkF1dG9TaXplIjoyLCJGb3JlZ3JvdW5kIjp7IiRyZWYiOiI1NzkifSwiTWF4V2lkdGgiOjE2MC4wLCJNYXhIZWlnaHQiOiJJbmZpbml0eSIsIlNtYXJ0Rm9yZWdyb3VuZElzQWN0aXZlIjpmYWxzZSwiSG9yaXpvbnRhbEFsaWdubWVudCI6MCwiVmVydGljYWxBbGlnbm1lbnQiOjAsIlNtYXJ0Rm9yZWdyb3VuZCI6bnVsbCwiQmFja2dyb3VuZEZpbGxUeXBlIjowLCJNYXJnaW4iOnsiJHJlZiI6IjU4MSJ9LCJQYWRkaW5nIjp7IiRyZWYiOiI1ODIifSwiQmFja2dyb3VuZCI6bnVsbCwiSXNWaXNpYmxlIjp0cnVlLCJXaWR0aCI6MC4wLCJIZWlnaHQiOjAuMCwiQm9yZGVyU3R5bGUiOm51bGwsIlBhcmVudFN0eWxlIjpudWxsfSwiUmVjdGFuZ2xlU3R5bGUiOnsiJGlkIjoiNjc0IiwiTWFyZ2luIjp7IiRpZCI6IjY3NSIsIlRvcCI6MC4wLCJMZWZ0IjowLjAsIlJpZ2h0IjowLjAsIkJvdHRvbSI6MC4wfSwiUGFkZGluZyI6eyIkaWQiOiI2NzYiLCJUb3AiOjAuMCwiTGVmdCI6MC4wLCJSaWdodCI6MC4wLCJCb3R0b20iOjAuMH0sIkJhY2tncm91bmQiOnsiJGlkIjoiNjc3IiwiQ29sb3IiOnsiJGlkIjoiNjc4IiwiQSI6MjU1LCJSIjoyMzcsIkciOjEyNSwiQiI6NDl9fSwiSXNWaXNpYmxlIjp0cnVlLCJXaWR0aCI6MC4wLCJIZWlnaHQiOjAuMCwiQm9yZGVyU3R5bGUiOnsiJGlkIjoiNjc5IiwiTGluZUNvbG9yIjp7IiRpZCI6IjY4MCIsIiR0eXBlIjoiTkxSRS5Db21tb24uRG9tLlNvbGlkQ29sb3JCcnVzaCwgTkxSRS5Db21tb24iLCJDb2xvciI6eyIkaWQiOiI2ODEiLCJBIjoyNTUsIlIiOjI1NSwiRyI6MCwiQiI6MH19LCJMaW5lV2VpZ2h0IjowLjAsIkxpbmVUeXBlIjowLCJQYXJlbnRTdHlsZSI6bnVsbH0sIlBhcmVudFN0eWxlIjpudWxsfSwiTWFyZ2luIjp7IiRpZCI6IjY4MiIsIlRvcCI6MC4wLCJMZWZ0IjowLjAsIlJpZ2h0IjowLjAsIkJvdHRvbSI6MC4wfSwiUGFkZGluZyI6eyIkaWQiOiI2ODMiLCJUb3AiOjAuMCwiTGVmdCI6MC4wLCJSaWdodCI6MC4wLCJCb3R0b20iOjAuMH0sIkJhY2tncm91bmQiOm51bGwsIklzVmlzaWJsZSI6dHJ1ZSwiV2lkdGgiOjAuMCwiSGVpZ2h0IjowLjAsIkJvcmRlclN0eWxlIjpudWxsLCJQYXJlbnRTdHlsZSI6bnVsbH0sIkJhY2tncm91bmRTdHlsZSI6eyIkaWQiOiI2ODQiLCJNYXJnaW4iOnsiJGlkIjoiNjg1IiwiVG9wIjowLjAsIkxlZnQiOjAuMCwiUmlnaHQiOjAuMCwiQm90dG9tIjowLjB9LCJQYWRkaW5nIjp7IiRpZCI6IjY4NiIsIlRvcCI6MC4wLCJMZWZ0IjowLjAsIlJpZ2h0IjowLjAsIkJvdHRvbSI6MC4wfSwiQmFja2dyb3VuZCI6eyIkaWQiOiI2ODciLCJDb2xvciI6eyIkaWQiOiI2ODgiLCJBIjo1MSwiUiI6MTY1LCJHIjoxNjUsIkIiOjE2NX19LCJJc1Zpc2libGUiOnRydWUsIldpZHRoIjowLjAsIkhlaWdodCI6MC4wLCJCb3JkZXJTdHlsZSI6eyIkaWQiOiI2ODkiLCJMaW5lQ29sb3IiOnsiJGlkIjoiNjkwIiwiJHR5cGUiOiJOTFJFLkNvbW1vbi5Eb20uU29saWRDb2xvckJydXNoLCBOTFJFLkNvbW1vbiIsIkNvbG9yIjp7IiRpZCI6IjY5MSIsIkEiOjI1NSwiUiI6MjU1LCJHIjowLCJCIjowfX0sIkxpbmVXZWlnaHQiOjAuMCwiTGluZVR5cGUiOjAsIlBhcmVudFN0eWxlIjpudWxsfSwiUGFyZW50U3R5bGUiOm51bGx9LCJJc0Fib3ZlVGltZWJhbmQiOmZhbHNlLCJNYXJnaW4iOnsiJGlkIjoiNjkyIiwiVG9wIjowLjAsIkxlZnQiOjAuMCwiUmlnaHQiOjAuMCwiQm90dG9tIjowLjB9LCJQYWRkaW5nIjp7IiRpZCI6IjY5MyIsIlRvcCI6MC4wLCJMZWZ0IjowLjAsIlJpZ2h0IjowLjAsIkJvdHRvbSI6MC4wfSwiSXNWaXNpYmxlIjp0cnVlLCJXaWR0aCI6MC4wLCJIZWlnaHQiOjAuMCwiQm9yZGVyU3R5bGUiOnsiJGlkIjoiNjk0IiwiTGluZUNvbG9yIjpudWxsLCJMaW5lV2VpZ2h0IjowLjAsIkxpbmVUeXBlIjowLCJQYXJlbnRTdHlsZSI6bnVsbH0sIlBhcmVudFN0eWxlIjpudWxsfX1dLCJDdWx0dXJlSW5mb05hbWUiOiJlbi1VUyIsIlN0eWxlTmFtZSI6bnVsbCwiVmVyc2lvbiI6eyIkaWQiOiI2OTUiLCJWZXJzaW9uIjoiMy42LjEiLCJPcmlnaW5hbEFzc2VtYmx5VmVyc2lvbiI6IjYuMDYuMDIuMDAiLCJFZGl0aW9uIjpudWxsLCJMYXN0U2F2ZWRFZGl0aW9uIjowLCJJc1BsdXNFZGl0aW9uIjpmYWxzZSwiSXNQcm9FZGl0aW9uIjpmYWxzZX0sIkVmZmVjdCI6MSwiU3R5bGUiOnsiJGlkIjoiNjk2IiwiVGltZWJhbmRTdHlsZSI6eyIkaWQiOiI2OTciLCJTY2FsZU1hcmtpbmciOjAsIlNoYXBlIjowLCJTaGFwZVN0eWxlIjp7IiRpZCI6IjY5OCIsIk1hcmdpbiI6eyIkaWQiOiI2OTkiLCJUb3AiOjAuMCwiTGVmdCI6MTAuMCwiUmlnaHQiOjEwLjAsIkJvdHRvbSI6MC4wfSwiUGFkZGluZyI6eyIkaWQiOiI3MDAiLCJUb3AiOjUuMCwiTGVmdCI6MTMuMCwiUmlnaHQiOjEzLjAsIkJvdHRvbSI6NS4wfSwiQmFja2dyb3VuZCI6eyIkaWQiOiI3MDEiLCJDb2xvciI6eyIkaWQiOiI3MDIiLCJBIjoyNTUsIlIiOjY4LCJHIjo4NCwiQiI6MTA2fX0sIklzVmlzaWJsZSI6dHJ1ZSwiV2lkdGgiOjg1OC4wLCJIZWlnaHQiOjMwLjAsIkJvcmRlclN0eWxlIjp7IiRpZCI6IjcwMyIsIkxpbmVDb2xvciI6eyIkaWQiOiI3MDQiLCIkdHlwZSI6Ik5MUkUuQ29tbW9uLkRvbS5Tb2xpZENvbG9yQnJ1c2gsIE5MUkUuQ29tbW9uIiwiQ29sb3IiOnsiJGlkIjoiNzA1IiwiQSI6MjU1LCJSIjoyNTUsIkciOjAsIkIiOjB9fSwiTGluZVdlaWdodCI6MC4wLCJMaW5lVHlwZSI6MCwiUGFyZW50U3R5bGUiOm51bGx9LCJQYXJlbnRTdHlsZSI6bnVsbH0sIk1pZGRsZVRpZXJTaGFwZVN0eWxlIjp7IiRpZCI6IjcwNiIsIk1hcmdpbiI6eyIkaWQiOiI3MDciLCJUb3AiOjAuMCwiTGVmdCI6MTAuMCwiUmlnaHQiOjEwLjAsIkJvdHRvbSI6MC4wfSwiUGFkZGluZyI6eyIkaWQiOiI3MDgiLCJUb3AiOjUuMCwiTGVmdCI6MTMuMCwiUmlnaHQiOjEzLjAsIkJvdHRvbSI6NS4wfSwiQmFja2dyb3VuZCI6eyIkaWQiOiI3MDkiLCJDb2xvciI6eyIkaWQiOiI3MTAiLCJBIjoyNTUsIlIiOjY4LCJHIjo4NCwiQiI6MTA2fX0sIklzVmlzaWJsZSI6dHJ1ZSwiV2lkdGgiOjg1OC4wLCJIZWlnaHQiOjMwLjAsIkJvcmRlclN0eWxlIjp7IiRpZCI6IjcxMSIsIkxpbmVDb2xvciI6eyIkaWQiOiI3MTIiLCIkdHlwZSI6Ik5MUkUuQ29tbW9uLkRvbS5Tb2xpZENvbG9yQnJ1c2gsIE5MUkUuQ29tbW9uIiwiQ29sb3IiOnsiJGlkIjoiNzEzIiwiQSI6MjU1LCJSIjoyNTUsIkciOjAsIkIiOjB9fSwiTGluZVdlaWdodCI6MC4wLCJMaW5lVHlwZSI6MCwiUGFyZW50U3R5bGUiOm51bGx9LCJQYXJlbnRTdHlsZSI6bnVsbH0sIkJvdHRvbVRpZXJTaGFwZVN0eWxlIjp7IiRpZCI6IjcxNCIsIk1hcmdpbiI6eyIkaWQiOiI3MTUiLCJUb3AiOjAuMCwiTGVmdCI6MTAuMCwiUmlnaHQiOjEwLjAsIkJvdHRvbSI6MC4wfSwiUGFkZGluZyI6eyIkaWQiOiI3MTYiLCJUb3AiOjUuMCwiTGVmdCI6MTMuMCwiUmlnaHQiOjEzLjAsIkJvdHRvbSI6NS4wfSwiQmFja2dyb3VuZCI6eyIkaWQiOiI3MTciLCJDb2xvciI6eyIkaWQiOiI3MTgiLCJBIjoyNTUsIlIiOjY4LCJHIjo4NCwiQiI6MTA2fX0sIklzVmlzaWJsZSI6dHJ1ZSwiV2lkdGgiOjg1OC4wLCJIZWlnaHQiOjMwLjAsIkJvcmRlclN0eWxlIjp7IiRpZCI6IjcxOSIsIkxpbmVDb2xvciI6eyIkaWQiOiI3MjAiLCIkdHlwZSI6Ik5MUkUuQ29tbW9uLkRvbS5Tb2xpZENvbG9yQnJ1c2gsIE5MUkUuQ29tbW9uIiwiQ29sb3IiOnsiJGlkIjoiNzIxIiwiQSI6MjU1LCJSIjoyNTUsIkciOjAsIkIiOjB9fSwiTGluZVdlaWdodCI6MC4wLCJMaW5lVHlwZSI6MCwiUGFyZW50U3R5bGUiOm51bGx9LCJQYXJlbnRTdHlsZSI6bnVsbH0sIlJpZ2h0RW5kQ2Fwc1N0eWxlIjp7IiRpZCI6IjcyMiIsIkZvbnRTZXR0aW5ncyI6eyIkaWQiOiI3MjMiLCJGb250U2l6ZSI6MTgsIkZvbnROYW1lIjoiQ2FsaWJyaSIsIklzQm9sZCI6dHJ1ZSwiSXNJdGFsaWMiOmZhbHNlLCJJc1VuZGVybGluZWQiOmZhbHNlLCJQYXJlbnRTdHlsZSI6bnVsbH0sIkF1dG9TaXplIjowLCJGb3JlZ3JvdW5kIjp7IiRpZCI6IjcyNCIsIkNvbG9yIjp7IiRpZCI6IjcyNSIsIkEiOjI1NSwiUiI6MjM3LCJHIjoxMjUsIkIiOjQ5fX0sIk1heFdpZHRoIjoiSW5maW5pdHkiLCJNYXhIZWlnaHQiOiJJbmZpbml0eSIsIlNtYXJ0Rm9yZWdyb3VuZElzQWN0aXZlIjpmYWxzZSwiSG9yaXpvbnRhbEFsaWdubWVudCI6MCwiVmVydGljYWxBbGlnbm1lbnQiOjAsIlNtYXJ0Rm9yZWdyb3VuZCI6bnVsbCwiQmFja2dyb3VuZEZpbGxUeXBlIjowLCJNYXJnaW4iOnsiJGlkIjoiNzI2IiwiVG9wIjowLjAsIkxlZnQiOjAuMCwiUmlnaHQiOjIwLjAsIkJvdHRvbSI6MC4wfSwiUGFkZGluZyI6eyIkaWQiOiI3MjciLCJUb3AiOjAuMCwiTGVmdCI6MC4wLCJSaWdodCI6MC4wLCJCb3R0b20iOjAuMH0sIkJhY2tncm91bmQiOnsiJGlkIjoiNzI4IiwiQ29sb3IiOnsiJHJlZiI6IjcwIn19LCJJc1Zpc2libGUiOnRydWUsIldpZHRoIjowLjAsIkhlaWdodCI6MC4wLCJCb3JkZXJTdHlsZSI6bnVsbCwiUGFyZW50U3R5bGUiOm51bGx9LCJMZWZ0RW5kQ2Fwc1N0eWxlIjp7IiRpZCI6IjcyOSIsIkZvbnRTZXR0aW5ncyI6eyIkaWQiOiI3MzAiLCJGb250U2l6ZSI6MTgsIkZvbnROYW1lIjoiQ2FsaWJyaSIsIklzQm9sZCI6dHJ1ZSwiSXNJdGFsaWMiOmZhbHNlLCJJc1VuZGVybGluZWQiOmZhbHNlLCJQYXJlbnRTdHlsZSI6bnVsbH0sIkF1dG9TaXplIjowLCJGb3JlZ3JvdW5kIjp7IiRpZCI6IjczMSIsIkNvbG9yIjp7IiRpZCI6IjczMiIsIkEiOjI1NSwiUiI6MjM3LCJHIjoxMjUsIkIiOjQ5fX0sIk1heFdpZHRoIjoiSW5maW5pdHkiLCJNYXhIZWlnaHQiOiJJbmZpbml0eSIsIlNtYXJ0Rm9yZWdyb3VuZElzQWN0aXZlIjpmYWxzZSwiSG9yaXpvbnRhbEFsaWdubWVudCI6MCwiVmVydGljYWxBbGlnbm1lbnQiOjAsIlNtYXJ0Rm9yZWdyb3VuZCI6bnVsbCwiQmFja2dyb3VuZEZpbGxUeXBlIjowLCJNYXJnaW4iOnsiJGlkIjoiNzMzIiwiVG9wIjowLjAsIkxlZnQiOjExNS41MDY2NjY2NjY2NjY2NiwiUmlnaHQiOjAuMCwiQm90dG9tIjowLjB9LCJQYWRkaW5nIjp7IiRpZCI6IjczNCIsIlRvcCI6MC4wLCJMZWZ0IjowLjAsIlJpZ2h0IjowLjAsIkJvdHRvbSI6MC4wfSwiQmFja2dyb3VuZCI6eyIkaWQiOiI3MzUiLCJDb2xvciI6eyIkcmVmIjoiNzAifX0sIklzVmlzaWJsZSI6ZmFsc2UsIldpZHRoIjowLjAsIkhlaWdodCI6MC4wLCJCb3JkZXJTdHlsZSI6bnVsbCwiUGFyZW50U3R5bGUiOm51bGx9LCJUb2RheVRleHRTdHlsZSI6eyIkaWQiOiI3MzYiLCJGb250U2V0dGluZ3MiOnsiJGlkIjoiNzM3IiwiRm9udFNpemUiOjEyLCJGb250TmFtZSI6IkNhbGlicmkiLCJJc0JvbGQiOmZhbHNlLCJJc0l0YWxpYyI6ZmFsc2UsIklzVW5kZXJsaW5lZCI6ZmFsc2UsIlBhcmVudFN0eWxlIjpudWxsfSwiQXV0b1NpemUiOjAsIkZvcmVncm91bmQiOnsiJGlkIjoiNzM4IiwiQ29sb3IiOnsiJGlkIjoiNzM5IiwiQSI6MjU1LCJSIjowLCJHIjowLCJCIjowfX0sIk1heFdpZHRoIjoyMDAuMCwiTWF4SGVpZ2h0IjoiSW5maW5pdHkiLCJTbWFydEZvcmVncm91bmRJc0FjdGl2ZSI6ZmFsc2UsIkhvcml6b250YWxBbGlnbm1lbnQiOjAsIlZlcnRpY2FsQWxpZ25tZW50IjowLCJTbWFydEZvcmVncm91bmQiOm51bGwsIkJhY2tncm91bmRGaWxsVHlwZSI6MCwiTWFyZ2luIjp7IiRpZCI6Ijc0MCIsIlRvcCI6MC4wLCJMZWZ0IjowLjAsIlJpZ2h0IjowLjAsIkJvdHRvbSI6MC4wfSwiUGFkZGluZyI6eyIkaWQiOiI3NDEiLCJUb3AiOjAuMCwiTGVmdCI6MC4wLCJSaWdodCI6MC4wLCJCb3R0b20iOjAuMH0sIkJhY2tncm91bmQiOnsiJGlkIjoiNzQyIiwiQ29sb3IiOnsiJHJlZiI6IjcwIn19LCJJc1Zpc2libGUiOnRydWUsIldpZHRoIjowLjAsIkhlaWdodCI6MC4wLCJCb3JkZXJTdHlsZSI6bnVsbCwiUGFyZW50U3R5bGUiOm51bGx9LCJUb2RheU1hcmtlclN0eWxlIjp7IiRpZCI6Ijc0MyIsIk1hcmdpbiI6eyIkaWQiOiI3NDQiLCJUb3AiOjAuMCwiTGVmdCI6MC4wLCJSaWdodCI6MC4wLCJCb3R0b20iOjAuMH0sIlBhZGRpbmciOnsiJGlkIjoiNzQ1IiwiVG9wIjowLjAsIkxlZnQiOjAuMCwiUmlnaHQiOjAuMCwiQm90dG9tIjowLjB9LCJCYWNrZ3JvdW5kIjp7IiRpZCI6Ijc0NiIsIkNvbG9yIjp7IiRpZCI6Ijc0NyIsIkEiOjI1NSwiUiI6MjU1LCJHIjowLCJCIjowfX0sIklzVmlzaWJsZSI6dHJ1ZSwiV2lkdGgiOjAuMCwiSGVpZ2h0IjowLjAsIkJvcmRlclN0eWxlIjpudWxsLCJQYXJlbnRTdHlsZSI6bnVsbH0sIlNjYWxlU3R5bGUiOnsiJGlkIjoiNzQ4IiwiU2hhcGUiOjQsIlNob3dTZWdtZW50U2VwYXJhdG9ycyI6dHJ1ZSwiU2VnbWVudFNlcGFyYXRvck9wYWNpdHkiOjMwLCJIYXNCZWVuVmlzaWJsZUJlZm9yZSI6dHJ1ZSwiRm9udFNldHRpbmdzIjp7IiRpZCI6Ijc0OSIsIkZvbnRTaXplIjoxMiwiRm9udE5hbWUiOiJDYWxpYnJpIiwiSXNCb2xkIjpmYWxzZSwiSXNJdGFsaWMiOmZhbHNlLCJJc1VuZGVybGluZWQiOmZhbHNlLCJQYXJlbnRTdHlsZSI6bnVsbH0sIkF1dG9TaXplIjowLCJGb3JlZ3JvdW5kIjp7IiRpZCI6Ijc1MCIsIkNvbG9yIjp7IiRpZCI6Ijc1MSIsIkEiOjI1NSwiUiI6MjU1LCJHIjoyNTUsIkIiOjI1NX19LCJNYXhXaWR0aCI6MjAwLjAsIk1heEhlaWdodCI6IkluZmluaXR5IiwiU21hcnRGb3JlZ3JvdW5kSXNBY3RpdmUiOmZhbHNlLCJIb3Jpem9udGFsQWxpZ25tZW50IjowLCJWZXJ0aWNhbEFsaWdubWVudCI6MSwiU21hcnRGb3JlZ3JvdW5kIjpudWxsLCJCYWNrZ3JvdW5kRmlsbFR5cGUiOjAsIk1hcmdpbiI6eyIkaWQiOiI3NTIiLCJUb3AiOjAuMCwiTGVmdCI6NS4wLCJSaWdodCI6MC4wLCJCb3R0b20iOjAuMH0sIlBhZGRpbmciOnsiJGlkIjoiNzUzIiwiVG9wIjowLjAsIkxlZnQiOjAuMCwiUmlnaHQiOjAuMCwiQm90dG9tIjowLjB9LCJCYWNrZ3JvdW5kIjp7IiRpZCI6Ijc1NCIsIkNvbG9yIjp7IiRyZWYiOiI3MCJ9fSwiSXNWaXNpYmxlIjp0cnVlLCJXaWR0aCI6MC4wLCJIZWlnaHQiOjAuMCwiQm9yZGVyU3R5bGUiOm51bGwsIlBhcmVudFN0eWxlIjpudWxsfSwiU2luZ2xlU2NhbGVTaGFwZVN0eWxlIjp7IiRpZCI6Ijc1NSIsIlNoYXBlIjowLCJIZWlnaHQiOjAuMH0sIk1pZGRsZVRpZXJTY2FsZVN0eWxlIjp7IiRpZCI6Ijc1NiIsIlNoYXBlIjo0LCJTaG93U2VnbWVudFNlcGFyYXRvcnMiOnRydWUsIlNlZ21lbnRTZXBhcmF0b3JPcGFjaXR5IjozMCwiSGFzQmVlblZpc2libGVCZWZvcmUiOmZhbHNlLCJGb250U2V0dGluZ3MiOnsiJGlkIjoiNzU3IiwiRm9udFNpemUiOjEyLCJGb250TmFtZSI6IkNhbGlicmkiLCJJc0JvbGQiOmZhbHNlLCJJc0l0YWxpYyI6ZmFsc2UsIklzVW5kZXJsaW5lZCI6ZmFsc2UsIlBhcmVudFN0eWxlIjpudWxsfSwiQXV0b1NpemUiOjAsIkZvcmVncm91bmQiOnsiJGlkIjoiNzU4IiwiQ29sb3IiOnsiJGlkIjoiNzU5IiwiQSI6MjU1LCJSIjoyNTUsIkciOjI1NSwiQiI6MjU1fX0sIk1heFdpZHRoIjoyMDAuMCwiTWF4SGVpZ2h0IjoiSW5maW5pdHkiLCJTbWFydEZvcmVncm91bmRJc0FjdGl2ZSI6ZmFsc2UsIkhvcml6b250YWxBbGlnbm1lbnQiOjAsIlZlcnRpY2FsQWxpZ25tZW50IjoxLCJTbWFydEZvcmVncm91bmQiOm51bGwsIkJhY2tncm91bmRGaWxsVHlwZSI6MCwiTWFyZ2luIjp7IiRpZCI6Ijc2MCIsIlRvcCI6MC4wLCJMZWZ0Ijo1LjAsIlJpZ2h0IjowLjAsIkJvdHRvbSI6MC4wfSwiUGFkZGluZyI6eyIkaWQiOiI3NjEiLCJUb3AiOjAuMCwiTGVmdCI6MC4wLCJSaWdodCI6MC4wLCJCb3R0b20iOjAuMH0sIkJhY2tncm91bmQiOnsiJGlkIjoiNzYyIiwiQ29sb3IiOnsiJGlkIjoiNzYzIiwiQSI6MCwiUiI6MCwiRyI6MCwiQiI6MH19LCJJc1Zpc2libGUiOmZhbHNlLCJXaWR0aCI6MC4wLCJIZWlnaHQiOjAuMCwiQm9yZGVyU3R5bGUiOm51bGwsIlBhcmVudFN0eWxlIjpudWxsfSwiQm90dG9tVGllclNjYWxlU3R5bGUiOnsiJGlkIjoiNzY0IiwiU2hhcGUiOjQsIlNob3dTZWdtZW50U2VwYXJhdG9ycyI6dHJ1ZSwiU2VnbWVudFNlcGFyYXRvck9wYWNpdHkiOjMwLCJIYXNCZWVuVmlzaWJsZUJlZm9yZSI6ZmFsc2UsIkZvbnRTZXR0aW5ncyI6eyIkaWQiOiI3NjUiLCJGb250U2l6ZSI6MTIsIkZvbnROYW1lIjoiQ2FsaWJyaSIsIklzQm9sZCI6ZmFsc2UsIklzSXRhbGljIjpmYWxzZSwiSXNVbmRlcmxpbmVkIjpmYWxzZSwiUGFyZW50U3R5bGUiOm51bGx9LCJBdXRvU2l6ZSI6MCwiRm9yZWdyb3VuZCI6eyIkaWQiOiI3NjYiLCJDb2xvciI6eyIkaWQiOiI3NjciLCJBIjoyNTUsIlIiOjI1NSwiRyI6MjU1LCJCIjoyNTV9fSwiTWF4V2lkdGgiOjIwMC4wLCJNYXhIZWlnaHQiOiJJbmZpbml0eSIsIlNtYXJ0Rm9yZWdyb3VuZElzQWN0aXZlIjpmYWxzZSwiSG9yaXpvbnRhbEFsaWdubWVudCI6MCwiVmVydGljYWxBbGlnbm1lbnQiOjEsIlNtYXJ0Rm9yZWdyb3VuZCI6bnVsbCwiQmFja2dyb3VuZEZpbGxUeXBlIjowLCJNYXJnaW4iOnsiJGlkIjoiNzY4IiwiVG9wIjowLjAsIkxlZnQiOjUuMCwiUmlnaHQiOjAuMCwiQm90dG9tIjowLjB9LCJQYWRkaW5nIjp7IiRpZCI6Ijc2OSIsIlRvcCI6MC4wLCJMZWZ0IjowLjAsIlJpZ2h0IjowLjAsIkJvdHRvbSI6MC4wfSwiQmFja2dyb3VuZCI6eyIkaWQiOiI3NzAiLCJDb2xvciI6eyIkaWQiOiI3NzEiLCJBIjowLCJSIjowLCJHIjowLCJCIjowfX0sIklzVmlzaWJsZSI6ZmFsc2UsIldpZHRoIjowLjAsIkhlaWdodCI6MC4wLCJCb3JkZXJTdHlsZSI6bnVsbCwiUGFyZW50U3R5bGUiOm51bGx9LCJFbGFwc2VkVGltZUJhY2tncm91bmQiOnsiJGlkIjoiNzcyIiwiQ29sb3IiOnsiJGlkIjoiNzczIiwiQSI6NzcsIlIiOjI1NSwiRyI6MCwiQiI6MH19LCJBcHBlbmRZZWFyT25ZZWFyQ2hhbmdlIjp0cnVlLCJFbGFwc2VkVGltZUZvcm1hdCI6MSwiVG9kYXlNYXJrZXJQb3NpdGlvbiI6MywiUXVpY2tQb3NpdGlvbiI6MywiQWJzb2x1dGVQb3NpdGlvbiI6MjQwLjAsIk1hcmdpbiI6eyIkaWQiOiI3NzQiLCJUb3AiOjAuMCwiTGVmdCI6MTAuMCwiUmlnaHQiOjEwLjAsIkJvdHRvbSI6MC4wfSwiUGFkZGluZyI6eyIkaWQiOiI3NzUiLCJUb3AiOjAuMCwiTGVmdCI6MC4wLCJSaWdodCI6MC4wLCJCb3R0b20iOjAuMH0sIkJhY2tncm91bmQiOnsiJGlkIjoiNzc2IiwiQ29sb3IiOnsiJGlkIjoiNzc3IiwiQSI6MjU1LCJSIjoxMTUsIkciOjExNSwiQiI6MTE1fX0sIklzVmlzaWJsZSI6dHJ1ZSwiV2lkdGgiOjAuMCwiSGVpZ2h0IjowLjAsIkJvcmRlclN0eWxlIjpudWxsLCJQYXJlbnRTdHlsZSI6bnVsbH0sIkRlZmF1bHRNaWxlc3RvbmVTdHlsZSI6eyIkaWQiOiI3NzgiLCJTaGFwZSI6MCwiQ29ubmVjdG9yTWFyZ2luIjp7IiRpZCI6Ijc3OSIsIlRvcCI6MC4wLCJMZWZ0IjoyLjAsIlJpZ2h0IjoyLjAsIkJvdHRvbSI6MC4wfSwiQ29ubmVjdG9yU3R5bGUiOnsiJGlkIjoiNzgwIiwiTGluZUNvbG9yIjp7IiRpZCI6Ijc4MSIsIiR0eXBlIjoiTkxSRS5Db21tb24uRG9tLlNvbGlkQ29sb3JCcnVzaCwgTkxSRS5Db21tb24iLCJDb2xvciI6eyIkaWQiOiI3ODIiLCJBIjoxMjcsIlIiOjMxLCJHIjo3MywiQiI6MTI2fX0sIkxpbmVXZWlnaHQiOjEuMCwiTGluZVR5cGUiOjAsIlBhcmVudFN0eWxlIjpudWxsfSwiSXNCZWxvd1RpbWViYW5kIjpmYWxzZSwiUG9zaXRpb25PblRhc2siOjAsIkhpZGVEYXRlIjpmYWxzZSwiU2hhcGVTaXplIjoxLCJTcGFjaW5nIjoyLjAsIlBhZGRpbmciOnsiJGlkIjoiNzgzIiwiVG9wIjo3LjAsIkxlZnQiOjMuMCwiUmlnaHQiOjAuMCwiQm90dG9tIjoyLjB9LCJTaGFwZVN0eWxlIjp7IiRpZCI6Ijc4NCIsIk1hcmdpbiI6eyIkaWQiOiI3ODUiLCJUb3AiOjAuMCwiTGVmdCI6MC4wLCJSaWdodCI6MC4wLCJCb3R0b20iOjAuMH0sIlBhZGRpbmciOnsiJGlkIjoiNzg2IiwiVG9wIjowLjAsIkxlZnQiOjAuMCwiUmlnaHQiOjAuMCwiQm90dG9tIjowLjB9LCJCYWNrZ3JvdW5kIjp7IiRpZCI6Ijc4NyIsIkNvbG9yIjp7IiRpZCI6Ijc4OCIsIkEiOjI1NSwiUiI6MCwiRyI6MTE0LCJCIjoxODh9fSwiSXNWaXNpYmxlIjp0cnVlLCJXaWR0aCI6MTguMCwiSGVpZ2h0IjoyMC4wLCJCb3JkZXJTdHlsZSI6eyIkaWQiOiI3ODkiLCJMaW5lQ29sb3IiOnsiJGlkIjoiNzkwIiwiJHR5cGUiOiJOTFJFLkNvbW1vbi5Eb20uU29saWRDb2xvckJydXNoLCBOTFJFLkNvbW1vbiIsIkNvbG9yIjp7IiRpZCI6Ijc5MSIsIkEiOjI1NSwiUiI6MjU1LCJHIjowLCJCIjowfX0sIkxpbmVXZWlnaHQiOjAuMCwiTGluZVR5cGUiOjAsIlBhcmVudFN0eWxlIjpudWxsfSwiUGFyZW50U3R5bGUiOm51bGx9LCJUaXRsZVN0eWxlIjp7IiRpZCI6Ijc5MiIsIkZvbnRTZXR0aW5ncyI6eyIkaWQiOiI3OTMiLCJGb250U2l6ZSI6MTEsIkZvbnROYW1lIjoiQ2FsaWJyaSIsIklzQm9sZCI6dHJ1ZSwiSXNJdGFsaWMiOmZhbHNlLCJJc1VuZGVybGluZWQiOmZhbHNlLCJQYXJlbnRTdHlsZSI6bnVsbH0sIkF1dG9TaXplIjowLCJGb3JlZ3JvdW5kIjp7IiRpZCI6Ijc5NCIsIkNvbG9yIjp7IiRpZCI6Ijc5NSIsIkEiOjI1NSwiUiI6MCwiRyI6MCwiQiI6MH19LCJNYXhXaWR0aCI6MjAwLjAsIk1heEhlaWdodCI6IkluZmluaXR5IiwiU21hcnRGb3JlZ3JvdW5kSXNBY3RpdmUiOmZhbHNlLCJIb3Jpem9udGFsQWxpZ25tZW50IjoxLCJWZXJ0aWNhbEFsaWdubWVudCI6MCwiU21hcnRGb3JlZ3JvdW5kIjpudWxsLCJCYWNrZ3JvdW5kRmlsbFR5cGUiOjAsIk1hcmdpbiI6eyIkaWQiOiI3OTYiLCJUb3AiOjAuMCwiTGVmdCI6MC4wLCJSaWdodCI6MC4wLCJCb3R0b20iOjAuMH0sIlBhZGRpbmciOnsiJGlkIjoiNzk3IiwiVG9wIjowLjAsIkxlZnQiOjAuMCwiUmlnaHQiOjAuMCwiQm90dG9tIjowLjB9LCJCYWNrZ3JvdW5kIjp7IiRpZCI6Ijc5OCIsIkNvbG9yIjp7IiRyZWYiOiI3MCJ9fSwiSXNWaXNpYmxlIjp0cnVlLCJXaWR0aCI6MC4wLCJIZWlnaHQiOjAuMCwiQm9yZGVyU3R5bGUiOm51bGwsIlBhcmVudFN0eWxlIjpudWxsfSwiRGF0ZVN0eWxlIjp7IiRpZCI6Ijc5OSIsIkZvbnRTZXR0aW5ncyI6eyIkaWQiOiI4MDAiLCJGb250U2l6ZSI6MTAsIkZvbnROYW1lIjoiQ2FsaWJyaSIsIklzQm9sZCI6ZmFsc2UsIklzSXRhbGljIjpmYWxzZSwiSXNVbmRlcmxpbmVkIjpmYWxzZSwiUGFyZW50U3R5bGUiOm51bGx9LCJBdXRvU2l6ZSI6MCwiRm9yZWdyb3VuZCI6eyIkaWQiOiI4MDEiLCJDb2xvciI6eyIkaWQiOiI4MDIiLCJBIjoyNTUsIlIiOjY4LCJHIjo4NCwiQiI6MTA2fX0sIk1heFdpZHRoIjoyMDAuMCwiTWF4SGVpZ2h0IjoiSW5maW5pdHkiLCJTbWFydEZvcmVncm91bmRJc0FjdGl2ZSI6ZmFsc2UsIkhvcml6b250YWxBbGlnbm1lbnQiOjAsIlZlcnRpY2FsQWxpZ25tZW50IjowLCJTbWFydEZvcmVncm91bmQiOm51bGwsIkJhY2tncm91bmRGaWxsVHlwZSI6MCwiTWFyZ2luIjp7IiRpZCI6IjgwMyIsIlRvcCI6MC4wLCJMZWZ0IjowLjAsIlJpZ2h0IjowLjAsIkJvdHRvbSI6MC4wfSwiUGFkZGluZyI6eyIkaWQiOiI4MDQiLCJUb3AiOjAuMCwiTGVmdCI6MC4wLCJSaWdodCI6MC4wLCJCb3R0b20iOjAuMH0sIkJhY2tncm91bmQiOnsiJGlkIjoiODA1IiwiQ29sb3IiOnsiJHJlZiI6IjcwIn19LCJJc1Zpc2libGUiOnRydWUsIldpZHRoIjowLjAsIkhlaWdodCI6MC4wLCJCb3JkZXJTdHlsZSI6bnVsbCwiUGFyZW50U3R5bGUiOm51bGx9LCJEYXRlRm9ybWF0Ijp7IiRpZCI6IjgwNiIsIkZvcm1hdFN0cmluZyI6Ik1NTSBkIiwiU2VwYXJhdG9yIjoiLyIsIlVzZUludGVybmF0aW9uYWxEYXRlRm9ybWF0IjpmYWxzZSwiRGF0ZUlzVmlzaWJsZSI6dHJ1ZSwiVGltZUlzVmlzaWJsZSI6ZmFsc2UsIkhvdXJEaWdpdHMiOjEsIkFtUG1EZXNpZ25hdG9yIjoyLCJUcmltMDBNaW51dGVzIjpmYWxzZSwiTGFzdEtub3duVmlzaWJpbGl0eVN0YXRlIjpudWxsfSwiV2Vla051bWJlcmluZyI6eyIkaWQiOiI4MDciLCJGb3JtYXQiOjAsIklzVmlzaWJsZSI6ZmFsc2UsIkxhc3RLbm93blZpc2liaWxpdHlTdGF0ZSI6ZmFsc2V9LCJJc1Zpc2libGUiOnRydWUsIlBhcmVudFN0eWxlIjpudWxsfSwiRGVmYXVsdFRhc2tTdHlsZSI6eyIkaWQiOiI4MDgiLCJTaGFwZSI6MiwiU2hhcGVUaGlja25lc3MiOjEsIkR1cmF0aW9uRm9ybWF0IjowLCJJbmNsdWRlTm9uV29ya2luZ0RheXNJbkR1cmF0aW9uIjpmYWxzZSwiUGVyY2VudGFnZUNvbXBsZXRlU3R5bGUiOnsiJGlkIjoiODA5IiwiRm9udFNldHRpbmdzIjp7IiRpZCI6IjgxMCIsIkZvbnRTaXplIjoxMCwiRm9udE5hbWUiOiJDYWxpYnJpIiwiSXNCb2xkIjpmYWxzZSwiSXNJdGFsaWMiOmZhbHNlLCJJc1VuZGVybGluZWQiOmZhbHNlLCJQYXJlbnRTdHlsZSI6bnVsbH0sIkF1dG9TaXplIjowLCJGb3JlZ3JvdW5kIjp7IiRyZWYiOiIxMCJ9LCJNYXhXaWR0aCI6MjAwLjAsIk1heEhlaWdodCI6IkluZmluaXR5IiwiU21hcnRGb3JlZ3JvdW5kSXNBY3RpdmUiOmZhbHNlLCJIb3Jpem9udGFsQWxpZ25tZW50IjowLCJWZXJ0aWNhbEFsaWdubWVudCI6MCwiU21hcnRGb3JlZ3JvdW5kIjpudWxsLCJCYWNrZ3JvdW5kRmlsbFR5cGUiOjAsIk1hcmdpbiI6eyIkcmVmIjoiNjcifSwiUGFkZGluZyI6eyIkcmVmIjoiNjgifSwiQmFja2dyb3VuZCI6eyIkcmVmIjoiNjkifSwiSXNWaXNpYmxlIjp0cnVlLCJXaWR0aCI6MC4wLCJIZWlnaHQiOjAuMCwiQm9yZGVyU3R5bGUiOm51bGwsIlBhcmVudFN0eWxlIjpudWxsfSwiRHVyYXRpb25TdHlsZSI6eyIkaWQiOiI4MTEiLCJGb250U2V0dGluZ3MiOnsiJGlkIjoiODEyIiwiRm9udFNpemUiOjEwLCJGb250TmFtZSI6IkNhbGlicmkiLCJJc0JvbGQiOmZhbHNlLCJJc0l0YWxpYyI6ZmFsc2UsIklzVW5kZXJsaW5lZCI6ZmFsc2UsIlBhcmVudFN0eWxlIjpudWxsfSwiQXV0b1NpemUiOjAsIkZvcmVncm91bmQiOnsiJHJlZiI6Ijc0In0sIk1heFdpZHRoIjoyMDAuMCwiTWF4SGVpZ2h0IjoiSW5maW5pdHkiLCJTbWFydEZvcmVncm91bmRJc0FjdGl2ZSI6ZmFsc2UsIkhvcml6b250YWxBbGlnbm1lbnQiOjAsIlZlcnRpY2FsQWxpZ25tZW50IjowLCJTbWFydEZvcmVncm91bmQiOm51bGwsIkJhY2tncm91bmRGaWxsVHlwZSI6MCwiTWFyZ2luIjp7IiRyZWYiOiI3NiJ9LCJQYWRkaW5nIjp7IiRyZWYiOiI3NyJ9LCJCYWNrZ3JvdW5kIjp7IiRyZWYiOiI3OCJ9LCJJc1Zpc2libGUiOnRydWUsIldpZHRoIjowLjAsIkhlaWdodCI6MC4wLCJCb3JkZXJTdHlsZSI6bnVsbCwiUGFyZW50U3R5bGUiOm51bGx9LCJIb3Jpem9udGFsQ29ubmVjdG9yU3R5bGUiOnsiJGlkIjoiODEzIiwiTGluZUNvbG9yIjp7IiRyZWYiOiI4MSJ9LCJMaW5lV2VpZ2h0IjoxLjAsIkxpbmVUeXBlIjowLCJQYXJlbnRTdHlsZSI6bnVsbH0sIlZlcnRpY2FsQ29ubmVjdG9yU3R5bGUiOnsiJGlkIjoiODE0IiwiTGluZUNvbG9yIjp7IiRyZWYiOiI4NCJ9LCJMaW5lV2VpZ2h0IjowLjAsIkxpbmVUeXBlIjowLCJQYXJlbnRTdHlsZSI6bnVsbH0sIk1hcmdpbiI6bnVsbCwiU3RhcnREYXRlUG9zaXRpb24iOjMsIkVuZERhdGVQb3NpdGlvbiI6NCwiRGF0ZUlzVmlzaWJsZSI6dHJ1ZSwiVGl0bGVQb3NpdGlvbiI6MiwiRHVyYXRpb25Qb3NpdGlvbiI6NiwiUGVyY2VudGFnZUNvbXBsZXRlZFBvc2l0aW9uIjo2LCJTcGFjaW5nIjo1LCJJc0JlbG93VGltZWJhbmQiOnRydWUsIlBlcmNlbnRhZ2VDb21wbGV0ZVNoYXBlT3BhY2l0eSI6MzUsIlNoYXBlU3R5bGUiOnsiJGlkIjoiODE1IiwiTWFyZ2luIjp7IiRyZWYiOiI4NyJ9LCJQYWRkaW5nIjp7IiRyZWYiOiI4OCJ9LCJCYWNrZ3JvdW5kIjp7IiRpZCI6IjgxNiIsIkNvbG9yIjp7IiRpZCI6IjgxNyIsIkEiOjI1NSwiUiI6MCwiRyI6MTE0LCJCIjoxODh9fSwiSXNWaXNpYmxlIjp0cnVlLCJXaWR0aCI6MC4wLCJIZWlnaHQiOjE2LjAsIkJvcmRlclN0eWxlIjp7IiRpZCI6IjgxOCIsIkxpbmVDb2xvciI6eyIkaWQiOiI4MTkiLCIkdHlwZSI6Ik5MUkUuQ29tbW9uLkRvbS5Tb2xpZENvbG9yQnJ1c2gsIE5MUkUuQ29tbW9uIiwiQ29sb3IiOnsiJGlkIjoiODIwIiwiQSI6MjU1LCJSIjoyNTUsIkciOjAsIkIiOjB9fSwiTGluZVdlaWdodCI6MC4wLCJMaW5lVHlwZSI6MCwiUGFyZW50U3R5bGUiOm51bGx9LCJQYXJlbnRTdHlsZSI6bnVsbH0sIlRpdGxlU3R5bGUiOnsiJGlkIjoiODIxIiwiRm9udFNldHRpbmdzIjp7IiRpZCI6IjgyMiIsIkZvbnRTaXplIjoxMSwiRm9udE5hbWUiOiJDYWxpYnJpIiwiSXNCb2xkIjp0cnVlLCJJc0l0YWxpYyI6ZmFsc2UsIklzVW5kZXJsaW5lZCI6ZmFsc2UsIlBhcmVudFN0eWxlIjpudWxsfSwiQXV0b1NpemUiOjAsIkZvcmVncm91bmQiOnsiJGlkIjoiODIzIiwiQ29sb3IiOnsiJGlkIjoiODI0IiwiQSI6MjU1LCJSIjowLCJHIjowLCJCIjowfX0sIk1heFdpZHRoIjo5NjAuMCwiTWF4SGVpZ2h0IjoiSW5maW5pdHkiLCJTbWFydEZvcmVncm91bmRJc0FjdGl2ZSI6ZmFsc2UsIkhvcml6b250YWxBbGlnbm1lbnQiOjEsIlZlcnRpY2FsQWxpZ25tZW50IjowLCJTbWFydEZvcmVncm91bmQiOm51bGwsIkJhY2tncm91bmRGaWxsVHlwZSI6MCwiTWFyZ2luIjp7IiRyZWYiOiI5OCJ9LCJQYWRkaW5nIjp7IiRyZWYiOiI5OSJ9LCJCYWNrZ3JvdW5kIjp7IiRpZCI6IjgyNSIsIkNvbG9yIjp7IiRyZWYiOiI3MCJ9fSwiSXNWaXNpYmxlIjp0cnVlLCJXaWR0aCI6MC4wLCJIZWlnaHQiOjAuMCwiQm9yZGVyU3R5bGUiOm51bGwsIlBhcmVudFN0eWxlIjpudWxsfSwiRGF0ZVN0eWxlIjp7IiRpZCI6IjgyNiIsIkZvbnRTZXR0aW5ncyI6eyIkaWQiOiI4MjciLCJGb250U2l6ZSI6MTAsIkZvbnROYW1lIjoiQ2FsaWJyaSIsIklzQm9sZCI6ZmFsc2UsIklzSXRhbGljIjpmYWxzZSwiSXNVbmRlcmxpbmVkIjpmYWxzZSwiUGFyZW50U3R5bGUiOm51bGx9LCJBdXRvU2l6ZSI6MCwiRm9yZWdyb3VuZCI6eyIkaWQiOiI4MjgiLCJDb2xvciI6eyIkaWQiOiI4MjkiLCJBIjoyNTUsIlIiOjY4LCJHIjo4NCwiQiI6MTA2fX0sIk1heFdpZHRoIjoyMDAuMCwiTWF4SGVpZ2h0IjoiSW5maW5pdHkiLCJTbWFydEZvcmVncm91bmRJc0FjdGl2ZSI6ZmFsc2UsIkhvcml6b250YWxBbGlnbm1lbnQiOjEsIlZlcnRpY2FsQWxpZ25tZW50IjowLCJTbWFydEZvcmVncm91bmQiOm51bGwsIkJhY2tncm91bmRGaWxsVHlwZSI6MCwiTWFyZ2luIjp7IiRyZWYiOiIxMDcifSwiUGFkZGluZyI6eyIkcmVmIjoiMTA4In0sIkJhY2tncm91bmQiOnsiJGlkIjoiODMwIiwiQ29sb3IiOnsiJHJlZiI6IjcwIn19LCJJc1Zpc2libGUiOnRydWUsIldpZHRoIjowLjAsIkhlaWdodCI6MC4wLCJCb3JkZXJTdHlsZSI6bnVsbCwiUGFyZW50U3R5bGUiOm51bGx9LCJEYXRlRm9ybWF0Ijp7IiRpZCI6IjgzMSIsIkZvcm1hdFN0cmluZyI6Ik1NTSBkIiwiU2VwYXJhdG9yIjoiLyIsIlVzZUludGVybmF0aW9uYWxEYXRlRm9ybWF0IjpmYWxzZSwiRGF0ZUlzVmlzaWJsZSI6dHJ1ZSwiVGltZUlzVmlzaWJsZSI6ZmFsc2UsIkhvdXJEaWdpdHMiOjEsIkFtUG1EZXNpZ25hdG9yIjoyLCJUcmltMDBNaW51dGVzIjpmYWxzZSwiTGFzdEtub3duVmlzaWJpbGl0eVN0YXRlIjpudWxsfSwiV2Vla051bWJlcmluZyI6eyIkaWQiOiI4MzIiLCJGb3JtYXQiOjAsIklzVmlzaWJsZSI6ZmFsc2UsIkxhc3RLbm93blZpc2liaWxpdHlTdGF0ZSI6ZmFsc2V9LCJJc1Zpc2libGUiOnRydWUsIlBhcmVudFN0eWxlIjpudWxsLCJfZXhwbGljaXRseVNldCI6eyIkaWQiOiI4MzMiLCJTaGFwZVN0eWxlIjpmYWxzZSwiVGl0bGVTdHlsZSI6ZmFsc2UsIkRhdGVTdHlsZSI6ZmFsc2UsIkhvcml6b250YWxDb25uZWN0b3JTdHlsZSI6ZmFsc2UsIlZlcnRpY2FsQ29ubmVjdG9yU3R5bGUiOmZhbHNlLCJQZXJjZW50YWdlQ29tcGxldGVTaGFwZU9wYWNpdHkiOmZhbHNlLCJTaGFwZSI6ZmFsc2UsIlNoYXBlVGhpY2tuZXNzIjpmYWxzZSwiRHVyYXRpb25Gb3JtYXQiOmZhbHNlLCJJbmNsdWRlTm9uV29ya2luZ0RheXNJbkR1cmF0aW9uIjpmYWxzZSwiTWFyZ2luIjpmYWxzZSwiU3RhcnREYXRlUG9zaXRpb24iOmZhbHNlLCJFbmREYXRlUG9zaXRpb24iOmZhbHNlLCJUaXRsZVBvc2l0aW9uIjpmYWxzZSwiRHVyYXRpb25Qb3NpdGlvbiI6ZmFsc2UsIlBlcmNlbnRhZ2VDb21wbGV0ZWRQb3NpdGlvbiI6ZmFsc2UsIlNwYWNpbmciOmZhbHNlLCJJc0JlbG93VGltZWJhbmQiOmZhbHNlLCJEYXRlRm9ybWF0IjpmYWxzZSwiV2Vla051bWJlcmluZyI6ZmFsc2UsIklzVmlzaWJsZSI6ZmFsc2V9fSwiR3JpZGxpbmVQYW5lbFN0eWxlIjp7IiRpZCI6IjgzNCIsIkdyaWRsaW5lU3R5bGUiOnsiJGlkIjoiODM1IiwiTGluZUNvbG9yIjp7IiRpZCI6IjgzNiIsIiR0eXBlIjoiTkxSRS5Db21tb24uRG9tLlNvbGlkQ29sb3JCcnVzaCwgTkxSRS5Db21tb24iLCJDb2xvciI6eyIkaWQiOiI4MzciLCJBIjozOCwiUiI6OTEsIkciOjE1NSwiQiI6MjEzfX0sIkxpbmVXZWlnaHQiOjEuMCwiTGluZVR5cGUiOjAsIlBhcmVudFN0eWxlIjpudWxsfSwiTWFyZ2luIjp7IiRpZCI6IjgzOCIsIlRvcCI6MC4wLCJMZWZ0IjowLjAsIlJpZ2h0IjowLjAsIkJvdHRvbSI6MC4wfSwiUGFkZGluZyI6eyIkaWQiOiI4MzkiLCJUb3AiOjAuMCwiTGVmdCI6MC4wLCJSaWdodCI6MC4wLCJCb3R0b20iOjAuMH0sIkJhY2tncm91bmQiOm51bGwsIklzVmlzaWJsZSI6dHJ1ZSwiV2lkdGgiOjAuMCwiSGVpZ2h0IjowLjAsIkJvcmRlclN0eWxlIjp7IiRpZCI6Ijg0MCIsIkxpbmVDb2xvciI6bnVsbCwiTGluZVdlaWdodCI6MC4wLCJMaW5lVHlwZSI6MCwiUGFyZW50U3R5bGUiOm51bGx9LCJQYXJlbnRTdHlsZSI6bnVsbH0sIkFjdGl2aXR5TGluZVBhbmVsU3R5bGUiOnsiJGlkIjoiODQxIiwiQWN0aXZpdHlMaW5lU3R5bGUiOnsiJGlkIjoiODQyIiwiTGluZUNvbG9yIjp7IiRpZCI6Ijg0MyIsIiR0eXBlIjoiTkxSRS5Db21tb24uRG9tLlNvbGlkQ29sb3JCcnVzaCwgTkxSRS5Db21tb24iLCJDb2xvciI6eyIkaWQiOiI4NDQiLCJBIjozOCwiUiI6NjgsIkciOjExNCwiQiI6MTk2fX0sIkxpbmVXZWlnaHQiOjEuMCwiTGluZVR5cGUiOjAsIlBhcmVudFN0eWxlIjpudWxsfSwiTWFyZ2luIjp7IiRpZCI6Ijg0NSIsIlRvcCI6MC4wLCJMZWZ0IjowLjAsIlJpZ2h0IjowLjAsIkJvdHRvbSI6MC4wfSwiUGFkZGluZyI6eyIkaWQiOiI4NDYiLCJUb3AiOjAuMCwiTGVmdCI6MC4wLCJSaWdodCI6MC4wLCJCb3R0b20iOjAuMH0sIkJhY2tncm91bmQiOm51bGwsIklzVmlzaWJsZSI6dHJ1ZSwiV2lkdGgiOjAuMCwiSGVpZ2h0IjowLjAsIkJvcmRlclN0eWxlIjp7IiRpZCI6Ijg0NyIsIkxpbmVDb2xvciI6bnVsbCwiTGluZVdlaWdodCI6MC4wLCJMaW5lVHlwZSI6MCwiUGFyZW50U3R5bGUiOm51bGx9LCJQYXJlbnRTdHlsZSI6bnVsbH0sIlNob3dFbGFwc2VkVGltZUdyYWRpZW50U3R5bGUiOmZhbHNlLCJUaW1lYmFuZFJlc2VydmVkTGVmdEFyZWFTdHlsZSI6eyIkaWQiOiI4NDgiLCJBY3Rpdml0eUhlYWRlcldpZHRoIjo3Ni4wLCJJc1NldCI6ZmFsc2V9LCJEZWZhdWx0U3dpbWxhbmVTdHlsZSI6bnVsbH0sIlNjYWxlIjpudWxsLCJTY2FsZVYyIjp7IiRpZCI6Ijg0OSIsIlN0YXJ0RGF0ZSI6IjAwMDEtMDEtMDFUMDA6MDA6MDAiLCJFbmREYXRlIjoiMjAyMi0wNi0zMFQyMzo1OTowMCIsIkF1dG9EYXRlUmFuZ2UiOnRydWUsIldvcmtpbmdEYXlzIjozMSwiRmlzY2FsWWVhciI6eyIkaWQiOiI4NTAiLCJTdGFydE1vbnRoIjoxLCJVc2VTdGFydGluZ1llYXJGb3JOdW1iZXJpbmciOnRydWUsIlNob3dGaXNjYWxZZWFyTGFiZWwiOnRydWV9LCJUb2RheU1hcmtlclRleHQiOiJUb2RheSIsIkF1dG9TY2FsZVR5cGUiOnRydWUsIlRpbWViYW5kU2NhbGVzIjp7IiRpZCI6Ijg1MSIsIlRvcFNjYWxlTGF5ZXIiOnsiJGlkIjoiODUyIiwiRm9ybWF0IjoiTU1NIiwiVHlwZSI6Mn0sIk1pZGRsZVNjYWxlTGF5ZXIiOnsiJGlkIjoiODUzIiwiRm9ybWF0IjpudWxsLCJUeXBlIjowfSwiQm90dG9tU2NhbGVMYXllciI6eyIkaWQiOiI4NTQiLCJGb3JtYXQiOm51bGwsIlR5cGUiOjB9fX0sIk1pbGVzdG9uZXMiOltdLCJUYXNrcyI6W10sIlN3aW1sYW5lcyI6W10sIk1zUHJvamVjdEl0ZW1zVHJlZSI6eyIkaWQiOiI4NTUiLCJSb290Ijp7IkltcG9ydElkIjpudWxsLCJJc0ltcG9ydGVkIjpmYWxzZSwiQ2hpbGRyZW4iOltdfX0sIk1ldGFkYXRhIjp7IiRpZCI6Ijg1NiIsIlNvdXJjZVRlbXBsYXRlIjoie1wiJGlkXCI6XCIxXCIsXCJJZFwiOlwiYzExZjZmNDktN2RiOC00NWZkLWJhMzItYmZjYWVhNDkyZjM5XCIsXCJDdWx0dXJlSW5mb05hbWVcIjpcImVuLVVTXCIsXCJWZXJzaW9uXCI6e1wiJGlkXCI6XCIyXCIsXCJUZW1wbGF0ZURvbVZlcnNpb25cIjpcIjEuMi4wXCJ9LFwiRWZmZWN0XCI6MSxcIlN0eWxlXCI6e1wiJGlkXCI6XCIzXCIsXCJUaW1lYmFuZFN0eWxlXCI6e1wiJGlkXCI6XCI0XCIsXCJTY2FsZU1hcmtpbmdcIjowLFwiU2hhcGVcIjoxMyxcIlNoYXBlU3R5bGVcIjp7XCIkaWRcIjpcIjVcIixcIk1hcmdpblwiOntcIiRpZFwiOlwiNlwiLFwiVG9wXCI6MC4wLFwiTGVmdFwiOjEwLjAsXCJSaWdodFwiOjEwLjAsXCJCb3R0b21cIjowLjB9LFwiUGFkZGluZ1wiOntcIiRpZFwiOlwiN1wiLFwiVG9wXCI6NS4wLFwiTGVmdFwiOjEzLjAsXCJSaWdodFwiOjEzLjAsXCJCb3R0b21cIjo1LjB9LFwiQmFja2dyb3VuZFwiOntcIiRpZFwiOlwiOFwiLFwiQ29sb3JcIjp7XCIkaWRcIjpcIjlcIixcIkFcIjoyNTUsXCJSXCI6NjgsXCJHXCI6ODQsXCJCXCI6MTA2fX0sXCJJc1Zpc2libGVcIjp0cnVlLFwiV2lkdGhcIjo4NTguMCxcIkhlaWdodFwiOjMwLjAsXCJCb3JkZXJTdHlsZVwiOntcIiRpZFwiOlwiMTBcIixcIkxpbmVDb2xvclwiOntcIiRpZFwiOlwiMTFcIixcIiR0eXBlXCI6XCJOTFJFLkNvbW1vbi5Eb20uU29saWRDb2xvckJydXNoLCBOTFJFLkNvbW1vblwiLFwiQ29sb3JcIjp7XCIkaWRcIjpcIjEyXCIsXCJBXCI6MjU1LFwiUlwiOjI1NSxcIkdcIjowLFwiQlwiOjB9fSxcIkxpbmVXZWlnaHRcIjowLjAsXCJMaW5lVHlwZVwiOjB9fSxcIk1pZGRsZVRpZXJTaGFwZVN0eWxlXCI6e1wiJGlkXCI6XCIxM1wiLFwiTWFyZ2luXCI6e1wiJGlkXCI6XCIxNFwiLFwiVG9wXCI6MC4wLFwiTGVmdFwiOjEwLjAsXCJSaWdodFwiOjEwLjAsXCJCb3R0b21cIjowLjB9LFwiUGFkZGluZ1wiOntcIiRpZFwiOlwiMTVcIixcIlRvcFwiOjUuMCxcIkxlZnRcIjoxMy4wLFwiUmlnaHRcIjoxMy4wLFwiQm90dG9tXCI6NS4wfSxcIkJhY2tncm91bmRcIjp7XCIkaWRcIjpcIjE2XCIsXCJDb2xvclwiOntcIiRpZFwiOlwiMTdcIixcIkFcIjoyNTUsXCJSXCI6NjgsXCJHXCI6ODQsXCJCXCI6MTA2fX0sXCJJc1Zpc2libGVcIjp0cnVlLFwiV2lkdGhcIjo4NTguMCxcIkhlaWdodFwiOjMwLjAsXCJCb3JkZXJTdHlsZVwiOntcIiRpZFwiOlwiMThcIixcIkxpbmVDb2xvclwiOntcIiRpZFwiOlwiMTlcIixcIiR0eXBlXCI6XCJOTFJFLkNvbW1vbi5Eb20uU29saWRDb2xvckJydXNoLCBOTFJFLkNvbW1vblwiLFwiQ29sb3JcIjp7XCIkaWRcIjpcIjIwXCIsXCJBXCI6MjU1LFwiUlwiOjI1NSxcIkdcIjowLFwiQlwiOjB9fSxcIkxpbmVXZWlnaHRcIjowLjAsXCJMaW5lVHlwZVwiOjB9fSxcIkJvdHRvbVRpZXJTaGFwZVN0eWxlXCI6e1wiJGlkXCI6XCIyMVwiLFwiTWFyZ2luXCI6e1wiJGlkXCI6XCIyMlwiLFwiVG9wXCI6MC4wLFwiTGVmdFwiOjEwLjAsXCJSaWdodFwiOjEwLjAsXCJCb3R0b21cIjowLjB9LFwiUGFkZGluZ1wiOntcIiRpZFwiOlwiMjNcIixcIlRvcFwiOjUuMCxcIkxlZnRcIjoxMy4wLFwiUmlnaHRcIjoxMy4wLFwiQm90dG9tXCI6NS4wfSxcIkJhY2tncm91bmRcIjp7XCIkaWRcIjpcIjI0XCIsXCJDb2xvclwiOntcIiRpZFwiOlwiMjVcIixcIkFcIjoyNTUsXCJSXCI6NjgsXCJHXCI6ODQsXCJCXCI6MTA2fX0sXCJJc1Zpc2libGVcIjp0cnVlLFwiV2lkdGhcIjo4NTguMCxcIkhlaWdodFwiOjMwLjAsXCJCb3JkZXJTdHlsZVwiOntcIiRpZFwiOlwiMjZcIixcIkxpbmVDb2xvclwiOntcIiRpZFwiOlwiMjdcIixcIiR0eXBlXCI6XCJOTFJFLkNvbW1vbi5Eb20uU29saWRDb2xvckJydXNoLCBOTFJFLkNvbW1vblwiLFwiQ29sb3JcIjp7XCIkaWRcIjpcIjI4XCIsXCJBXCI6MjU1LFwiUlwiOjI1NSxcIkdcIjowLFwiQlwiOjB9fSxcIkxpbmVXZWlnaHRcIjowLjAsXCJMaW5lVHlwZVwiOjB9fSxcIlJpZ2h0RW5kQ2Fwc1N0eWxlXCI6e1wiJGlkXCI6XCIyOVwiLFwiRm9udFNldHRpbmdzXCI6e1wiJGlkXCI6XCIzMFwiLFwiRm9udFNpemVcIjoxOCxcIkZvbnROYW1lXCI6XCJDYWxpYnJpXCIsXCJJc0JvbGRcIjp0cnVlLFwiSXNJdGFsaWNcIjpmYWxzZSxcIklzVW5kZXJsaW5lZFwiOmZhbHNlfSxcIkF1dG9TaXplXCI6MCxcIkZvcmVncm91bmRcIjp7XCIkaWRcIjpcIjMxXCIsXCJDb2xvclwiOntcIiRpZFwiOlwiMzJcIixcIkFcIjoyNTUsXCJSXCI6MjM3LFwiR1wiOjEyNSxcIkJcIjo0OX19LFwiQmFja2dyb3VuZEZpbGxUeXBlXCI6MCxcIk1heFdpZHRoXCI6XCJJbmZpbml0eVwiLFwiTWF4SGVpZ2h0XCI6XCJJbmZpbml0eVwiLFwiU21hcnRGb3JlZ3JvdW5kSXNBY3RpdmVcIjpmYWxzZSxcIkhvcml6b250YWxBbGlnbm1lbnRcIjowLFwiVmVydGljYWxBbGlnbm1lbnRcIjowLFwiU21hcnRGb3JlZ3JvdW5kXCI6bnVsbCxcIk1hcmdpblwiOntcIiRpZFwiOlwiMzNcIixcIlRvcFwiOjAuMCxcIkxlZnRcIjowLjAsXCJSaWdodFwiOjIwLjAsXCJCb3R0b21cIjowLjB9LFwiUGFkZGluZ1wiOntcIiRpZFwiOlwiMzRcIixcIlRvcFwiOjAuMCxcIkxlZnRcIjowLjAsXCJSaWdodFwiOjAuMCxcIkJvdHRvbVwiOjAuMH0sXCJCYWNrZ3JvdW5kXCI6e1wiJGlkXCI6XCIzNVwiLFwiQ29sb3JcIjp7XCIkaWRcIjpcIjM2XCIsXCJBXCI6MCxcIlJcIjowLFwiR1wiOjAsXCJCXCI6MH19LFwiSXNWaXNpYmxlXCI6dHJ1ZSxcIldpZHRoXCI6MC4wLFwiSGVpZ2h0XCI6MC4wLFwiQm9yZGVyU3R5bGVcIjpudWxsfSxcIkxlZnRFbmRDYXBzU3R5bGVcIjp7XCIkaWRcIjpcIjM3XCIsXCJGb250U2V0dGluZ3NcIjp7XCIkaWRcIjpcIjM4XCIsXCJGb250U2l6ZVwiOjE4LFwiRm9udE5hbWVcIjpcIkNhbGlicmlcIixcIklzQm9sZFwiOnRydWUsXCJJc0l0YWxpY1wiOmZhbHNlLFwiSXNVbmRlcmxpbmVkXCI6ZmFsc2V9LFwiQXV0b1NpemVcIjowLFwiRm9yZWdyb3VuZFwiOntcIiRpZFwiOlwiMzlcIixcIkNvbG9yXCI6e1wiJGlkXCI6XCI0MFwiLFwiQVwiOjI1NSxcIlJcIjoyMzcsXCJHXCI6MTI1LFwiQlwiOjQ5fX0sXCJCYWNrZ3JvdW5kRmlsbFR5cGVcIjowLFwiTWF4V2lkdGhcIjpcIkluZmluaXR5XCIsXCJNYXhIZWlnaHRcIjpcIkluZmluaXR5XCIsXCJTbWFydEZvcmVncm91bmRJc0FjdGl2ZVwiOmZhbHNlLFwiSG9yaXpvbnRhbEFsaWdubWVudFwiOjAsXCJWZXJ0aWNhbEFsaWdubWVudFwiOjAsXCJTbWFydEZvcmVncm91bmRcIjpudWxsLFwiTWFyZ2luXCI6e1wiJGlkXCI6XCI0MVwiLFwiVG9wXCI6MC4wLFwiTGVmdFwiOjIwLjAsXCJSaWdodFwiOjAuMCxcIkJvdHRvbVwiOjAuMH0sXCJQYWRkaW5nXCI6e1wiJGlkXCI6XCI0MlwiLFwiVG9wXCI6MC4wLFwiTGVmdFwiOjAuMCxcIlJpZ2h0XCI6MC4wLFwiQm90dG9tXCI6MC4wfSxcIkJhY2tncm91bmRcIjp7XCIkaWRcIjpcIjQzXCIsXCJDb2xvclwiOntcIiRyZWZcIjpcIjM2XCJ9fSxcIklzVmlzaWJsZVwiOmZhbHNlLFwiV2lkdGhcIjowLjAsXCJIZWlnaHRcIjowLjAsXCJCb3JkZXJTdHlsZVwiOm51bGx9LFwiVG9kYXlUZXh0U3R5bGVcIjp7XCIkaWRcIjpcIjQ0XCIsXCJGb250U2V0dGluZ3NcIjp7XCIkaWRcIjpcIjQ1XCIsXCJGb250U2l6ZVwiOjEyLFwiRm9udE5hbWVcIjpcIkNhbGlicmlcIixcIklzQm9sZFwiOmZhbHNlLFwiSXNJdGFsaWNcIjpmYWxzZSxcIklzVW5kZXJsaW5lZFwiOmZhbHNlfSxcIkF1dG9TaXplXCI6MCxcIkZvcmVncm91bmRcIjp7XCIkaWRcIjpcIjQ2XCIsXCJDb2xvclwiOntcIiRpZFwiOlwiNDdcIixcIkFcIjoyNTUsXCJSXCI6MCxcIkdcIjowLFwiQlwiOjB9fSxcIkJhY2tncm91bmRGaWxsVHlwZVwiOjAsXCJNYXhXaWR0aFwiOjIwMC4wLFwiTWF4SGVpZ2h0XCI6XCJJbmZpbml0eVwiLFwiU21hcnRGb3JlZ3JvdW5kSXNBY3RpdmVcIjpmYWxzZSxcIkhvcml6b250YWxBbGlnbm1lbnRcIjowLFwiVmVydGljYWxBbGlnbm1lbnRcIjowLFwiU21hcnRGb3JlZ3JvdW5kXCI6bnVsbCxcIk1hcmdpblwiOntcIiRpZFwiOlwiNDhcIixcIlRvcFwiOjAuMCxcIkxlZnRcIjowLjAsXCJSaWdodFwiOjAuMCxcIkJvdHRvbVwiOjAuMH0sXCJQYWRkaW5nXCI6e1wiJGlkXCI6XCI0OVwiLFwiVG9wXCI6MC4wLFwiTGVmdFwiOjAuMCxcIlJpZ2h0XCI6MC4wLFwiQm90dG9tXCI6MC4wfSxcIkJhY2tncm91bmRcIjp7XCIkaWRcIjpcIjUwXCIsXCJDb2xvclwiOntcIiRyZWZcIjpcIjM2XCJ9fSxcIklzVmlzaWJsZVwiOnRydWUsXCJXaWR0aFwiOjAuMCxcIkhlaWdodFwiOjAuMCxcIkJvcmRlclN0eWxlXCI6bnVsbH0sXCJUb2RheU1hcmtlclN0eWxlXCI6e1wiJGlkXCI6XCI1MVwiLFwiTWFyZ2luXCI6e1wiJGlkXCI6XCI1MlwiLFwiVG9wXCI6MC4wLFwiTGVmdFwiOjAuMCxcIlJpZ2h0XCI6MC4wLFwiQm90dG9tXCI6MC4wfSxcIlBhZGRpbmdcIjp7XCIkaWRcIjpcIjUzXCIsXCJUb3BcIjowLjAsXCJMZWZ0XCI6MC4wLFwiUmlnaHRcIjowLjAsXCJCb3R0b21cIjowLjB9LFwiQmFja2dyb3VuZFwiOntcIiRpZFwiOlwiNTRcIixcIkNvbG9yXCI6e1wiJGlkXCI6XCI1NVwiLFwiQVwiOjI1NSxcIlJcIjoyNTUsXCJHXCI6MCxcIkJcIjowfX0sXCJJc1Zpc2libGVcIjp0cnVlLFwiV2lkdGhcIjowLjAsXCJIZWlnaHRcIjowLjAsXCJCb3JkZXJTdHlsZVwiOm51bGx9LFwiU2NhbGVTdHlsZVwiOntcIiRpZFwiOlwiNTZcIixcIlNob3dTZWdtZW50U2VwYXJhdG9yc1wiOnRydWUsXCJTZWdtZW50U2VwYXJhdG9yT3BhY2l0eVwiOjMwLFwiU2hhcGVcIjo0LFwiSGFzQmVlblZpc2libGVCZWZvcmVcIjp0cnVlLFwiRm9udFNldHRpbmdzXCI6e1wiJGlkXCI6XCI1N1wiLFwiRm9udFNpemVcIjoxMixcIkZvbnROYW1lXCI6XCJDYWxpYnJpXCIsXCJJc0JvbGRcIjpmYWxzZSxcIklzSXRhbGljXCI6ZmFsc2UsXCJJc1VuZGVybGluZWRcIjpmYWxzZX0sXCJBdXRvU2l6ZVwiOjAsXCJGb3JlZ3JvdW5kXCI6e1wiJGlkXCI6XCI1OFwiLFwiQ29sb3JcIjp7XCIkaWRcIjpcIjU5XCIsXCJBXCI6MjU1LFwiUlwiOjI1NSxcIkdcIjoyNTUsXCJCXCI6MjU1fX0sXCJCYWNrZ3JvdW5kRmlsbFR5cGVcIjowLFwiTWF4V2lkdGhcIjoyMDAuMCxcIk1heEhlaWdodFwiOlwiSW5maW5pdHlcIixcIlNtYXJ0Rm9yZWdyb3VuZElzQWN0aXZlXCI6ZmFsc2UsXCJIb3Jpem9udGFsQWxpZ25tZW50XCI6MCxcIlZlcnRpY2FsQWxpZ25tZW50XCI6MSxcIlNtYXJ0Rm9yZWdyb3VuZFwiOm51bGwsXCJNYXJnaW5cIjp7XCIkaWRcIjpcIjYwXCIsXCJUb3BcIjowLjAsXCJMZWZ0XCI6NS4wLFwiUmlnaHRcIjowLjAsXCJCb3R0b21cIjowLjB9LFwiUGFkZGluZ1wiOntcIiRpZFwiOlwiNjFcIixcIlRvcFwiOjAuMCxcIkxlZnRcIjowLjAsXCJSaWdodFwiOjAuMCxcIkJvdHRvbVwiOjAuMH0sXCJCYWNrZ3JvdW5kXCI6e1wiJGlkXCI6XCI2MlwiLFwiQ29sb3JcIjp7XCIkcmVmXCI6XCIzNlwifX0sXCJJc1Zpc2libGVcIjp0cnVlLFwiV2lkdGhcIjowLjAsXCJIZWlnaHRcIjowLjAsXCJCb3JkZXJTdHlsZVwiOm51bGx9LFwiTWlkZGxlVGllclNjYWxlU3R5bGVcIjp7XCIkaWRcIjpcIjYzXCIsXCJTaG93U2VnbWVudFNlcGFyYXRvcnNcIjp0cnVlLFwiU2VnbWVudFNlcGFyYXRvck9wYWNpdHlcIjozMCxcIlNoYXBlXCI6NCxcIkhhc0JlZW5WaXNpYmxlQmVmb3JlXCI6ZmFsc2UsXCJGb250U2V0dGluZ3NcIjp7XCIkaWRcIjpcIjY0XCIsXCJGb250U2l6ZVwiOjEyLFwiRm9udE5hbWVcIjpcIkNhbGlicmlcIixcIklzQm9sZFwiOmZhbHNlLFwiSXNJdGFsaWNcIjpmYWxzZSxcIklzVW5kZXJsaW5lZFwiOmZhbHNlfSxcIkF1dG9TaXplXCI6MCxcIkZvcmVncm91bmRcIjp7XCIkaWRcIjpcIjY1XCIsXCJDb2xvclwiOntcIiRpZFwiOlwiNjZcIixcIkFcIjoyNTUsXCJSXCI6MjU1LFwiR1wiOjI1NSxcIkJcIjoyNTV9fSxcIkJhY2tncm91bmRGaWxsVHlwZVwiOjAsXCJNYXhXaWR0aFwiOjIwMC4wLFwiTWF4SGVpZ2h0XCI6XCJJbmZpbml0eVwiLFwiU21hcnRGb3JlZ3JvdW5kSXNBY3RpdmVcIjpmYWxzZSxcIkhvcml6b250YWxBbGlnbm1lbnRcIjowLFwiVmVydGljYWxBbGlnbm1lbnRcIjoxLFwiU21hcnRGb3JlZ3JvdW5kXCI6bnVsbCxcIk1hcmdpblwiOntcIiRpZFwiOlwiNjdcIixcIlRvcFwiOjAuMCxcIkxlZnRcIjo1LjAsXCJSaWdodFwiOjAuMCxcIkJvdHRvbVwiOjAuMH0sXCJQYWRkaW5nXCI6e1wiJGlkXCI6XCI2OFwiLFwiVG9wXCI6MC4wLFwiTGVmdFwiOjAuMCxcIlJpZ2h0XCI6MC4wLFwiQm90dG9tXCI6MC4wfSxcIkJhY2tncm91bmRcIjp7XCIkaWRcIjpcIjY5XCIsXCJDb2xvclwiOntcIiRpZFwiOlwiNzBcIixcIkFcIjowLFwiUlwiOjAsXCJHXCI6MCxcIkJcIjowfX0sXCJJc1Zpc2libGVcIjpmYWxzZSxcIldpZHRoXCI6MC4wLFwiSGVpZ2h0XCI6MC4wLFwiQm9yZGVyU3R5bGVcIjpudWxsfSxcIkJvdHRvbVRpZXJTY2FsZVN0eWxlXCI6e1wiJGlkXCI6XCI3MVwiLFwiU2hvd1NlZ21lbnRTZXBhcmF0b3JzXCI6dHJ1ZSxcIlNlZ21lbnRTZXBhcmF0b3JPcGFjaXR5XCI6MzAsXCJTaGFwZVwiOjQsXCJIYXNCZWVuVmlzaWJsZUJlZm9yZVwiOmZhbHNlLFwiRm9udFNldHRpbmdzXCI6e1wiJGlkXCI6XCI3MlwiLFwiRm9udFNpemVcIjoxMixcIkZvbnROYW1lXCI6XCJDYWxpYnJpXCIsXCJJc0JvbGRcIjpmYWxzZSxcIklzSXRhbGljXCI6ZmFsc2UsXCJJc1VuZGVybGluZWRcIjpmYWxzZX0sXCJBdXRvU2l6ZVwiOjAsXCJGb3JlZ3JvdW5kXCI6e1wiJGlkXCI6XCI3M1wiLFwiQ29sb3JcIjp7XCIkaWRcIjpcIjc0XCIsXCJBXCI6MjU1LFwiUlwiOjI1NSxcIkdcIjoyNTUsXCJCXCI6MjU1fX0sXCJCYWNrZ3JvdW5kRmlsbFR5cGVcIjowLFwiTWF4V2lkdGhcIjoyMDAuMCxcIk1heEhlaWdodFwiOlwiSW5maW5pdHlcIixcIlNtYXJ0Rm9yZWdyb3VuZElzQWN0aXZlXCI6ZmFsc2UsXCJIb3Jpem9udGFsQWxpZ25tZW50XCI6MCxcIlZlcnRpY2FsQWxpZ25tZW50XCI6MSxcIlNtYXJ0Rm9yZWdyb3VuZFwiOm51bGwsXCJNYXJnaW5cIjp7XCIkaWRcIjpcIjc1XCIsXCJUb3BcIjowLjAsXCJMZWZ0XCI6NS4wLFwiUmlnaHRcIjowLjAsXCJCb3R0b21cIjowLjB9LFwiUGFkZGluZ1wiOntcIiRpZFwiOlwiNzZcIixcIlRvcFwiOjAuMCxcIkxlZnRcIjowLjAsXCJSaWdodFwiOjAuMCxcIkJvdHRvbVwiOjAuMH0sXCJCYWNrZ3JvdW5kXCI6e1wiJGlkXCI6XCI3N1wiLFwiQ29sb3JcIjp7XCIkaWRcIjpcIjc4XCIsXCJBXCI6MCxcIlJcIjowLFwiR1wiOjAsXCJCXCI6MH19LFwiSXNWaXNpYmxlXCI6ZmFsc2UsXCJXaWR0aFwiOjAuMCxcIkhlaWdodFwiOjAuMCxcIkJvcmRlclN0eWxlXCI6bnVsbH0sXCJTaW5nbGVTY2FsZVNoYXBlU3R5bGVcIjpudWxsLFwiRWxhcHNlZFRpbWVCYWNrZ3JvdW5kXCI6e1wiJGlkXCI6XCI3OVwiLFwiQ29sb3JcIjp7XCIkaWRcIjpcIjgwXCIsXCJBXCI6NzcsXCJSXCI6MjU1LFwiR1wiOjAsXCJCXCI6MH19LFwiQXBwZW5kWWVhck9uWWVhckNoYW5nZVwiOnRydWUsXCJFbGFwc2VkVGltZUZvcm1hdFwiOjEsXCJUb2RheU1hcmtlclBvc2l0aW9uXCI6MyxcIlF1aWNrUG9zaXRpb25cIjoxLFwiQWJzb2x1dGVQb3NpdGlvblwiOjI0MC4wLFwiTWFyZ2luXCI6e1wiJGlkXCI6XCI4MVwiLFwiVG9wXCI6MC4wLFwiTGVmdFwiOjEwLjAsXCJSaWdodFwiOjEwLjAsXCJCb3R0b21cIjowLjB9LFwiUGFkZGluZ1wiOntcIiRpZFwiOlwiODJcIixcIlRvcFwiOjAuMCxcIkxlZnRcIjowLjAsXCJSaWdodFwiOjAuMCxcIkJvdHRvbVwiOjAuMH0sXCJCYWNrZ3JvdW5kXCI6e1wiJGlkXCI6XCI4M1wiLFwiQ29sb3JcIjp7XCIkaWRcIjpcIjg0XCIsXCJBXCI6MjU1LFwiUlwiOjExNSxcIkdcIjoxMTUsXCJCXCI6MTE1fX0sXCJJc1Zpc2libGVcIjp0cnVlLFwiV2lkdGhcIjowLjAsXCJIZWlnaHRcIjowLjAsXCJCb3JkZXJTdHlsZVwiOm51bGx9LFwiRGVmYXVsdE1pbGVzdG9uZVN0eWxlXCI6e1wiJGlkXCI6XCI4NVwiLFwiU2hhcGVcIjowLFwiQ29ubmVjdG9yTWFyZ2luXCI6e1wiJGlkXCI6XCI4NlwiLFwiVG9wXCI6MC4wLFwiTGVmdFwiOjIuMCxcIlJpZ2h0XCI6Mi4wLFwiQm90dG9tXCI6MC4wfSxcIkNvbm5lY3RvclN0eWxlXCI6e1wiJGlkXCI6XCI4N1wiLFwiTGluZUNvbG9yXCI6e1wiJGlkXCI6XCI4OFwiLFwiJHR5cGVcIjpcIk5MUkUuQ29tbW9uLkRvbS5Tb2xpZENvbG9yQnJ1c2gsIE5MUkUuQ29tbW9uXCIsXCJDb2xvclwiOntcIiRpZFwiOlwiODlcIixcIkFcIjoxMjcsXCJSXCI6MzEsXCJHXCI6NzMsXCJCXCI6MTI2fX0sXCJMaW5lV2VpZ2h0XCI6MS4wLFwiTGluZVR5cGVcIjowfSxcIklzQmVsb3dUaW1lYmFuZFwiOmZhbHNlLFwiSGlkZURhdGVcIjpmYWxzZSxcIlNoYXBlU2l6ZVwiOjEsXCJTcGFjaW5nXCI6Mi4wLFwiUGFkZGluZ1wiOntcIiRpZFwiOlwiOTBcIixcIlRvcFwiOjcuMCxcIkxlZnRcIjozLjAsXCJSaWdodFwiOjAuMCxcIkJvdHRvbVwiOjIuMH0sXCJQb3NpdGlvblwiOm51bGwsXCJQb3NpdGlvbk9uVGFza1wiOjAsXCJTaGFwZVN0eWxlXCI6e1wiJGlkXCI6XCI5MVwiLFwiTWFyZ2luXCI6e1wiJGlkXCI6XCI5MlwiLFwiVG9wXCI6MC4wLFwiTGVmdFwiOjAuMCxcIlJpZ2h0XCI6MC4wLFwiQm90dG9tXCI6MC4wfSxcIlBhZGRpbmdcIjp7XCIkaWRcIjpcIjkzXCIsXCJUb3BcIjowLjAsXCJMZWZ0XCI6MC4wLFwiUmlnaHRcIjowLjAsXCJCb3R0b21cIjowLjB9LFwiQmFja2dyb3VuZFwiOntcIiRpZFwiOlwiOTRcIixcIkNvbG9yXCI6e1wiJGlkXCI6XCI5NVwiLFwiQVwiOjI1NSxcIlJcIjowLFwiR1wiOjExNCxcIkJcIjoxODh9fSxcIklzVmlzaWJsZVwiOnRydWUsXCJXaWR0aFwiOjE4LjAsXCJIZWlnaHRcIjoyMC4wLFwiQm9yZGVyU3R5bGVcIjp7XCIkaWRcIjpcIjk2XCIsXCJMaW5lQ29sb3JcIjp7XCIkaWRcIjpcIjk3XCIsXCIkdHlwZVwiOlwiTkxSRS5Db21tb24uRG9tLlNvbGlkQ29sb3JCcnVzaCwgTkxSRS5Db21tb25cIixcIkNvbG9yXCI6e1wiJGlkXCI6XCI5OFwiLFwiQVwiOjI1NSxcIlJcIjoyNTUsXCJHXCI6MCxcIkJcIjowfX0sXCJMaW5lV2VpZ2h0XCI6MC4wLFwiTGluZVR5cGVcIjowfX0sXCJUaXRsZVN0eWxlXCI6e1wiJGlkXCI6XCI5OVwiLFwiRm9udFNldHRpbmdzXCI6e1wiJGlkXCI6XCIxMDBcIixcIkZvbnRTaXplXCI6MTEsXCJGb250TmFtZVwiOlwiQ2FsaWJyaVwiLFwiSXNCb2xkXCI6dHJ1ZSxcIklzSXRhbGljXCI6ZmFsc2UsXCJJc1VuZGVybGluZWRcIjpmYWxzZX0sXCJBdXRvU2l6ZVwiOjAsXCJGb3JlZ3JvdW5kXCI6e1wiJGlkXCI6XCIxMDFcIixcIkNvbG9yXCI6e1wiJGlkXCI6XCIxMDJcIixcIkFcIjoyNTUsXCJSXCI6MCxcIkdcIjowLFwiQlwiOjB9fSxcIkJhY2tncm91bmRGaWxsVHlwZVwiOjAsXCJNYXhXaWR0aFwiOjIwMC4wLFwiTWF4SGVpZ2h0XCI6XCJJbmZpbml0eVwiLFwiU21hcnRGb3JlZ3JvdW5kSXNBY3RpdmVcIjpmYWxzZSxcIkhvcml6b250YWxBbGlnbm1lbnRcIjoxLFwiVmVydGljYWxBbGlnbm1lbnRcIjowLFwiU21hcnRGb3JlZ3JvdW5kXCI6bnVsbCxcIk1hcmdpblwiOntcIiRpZFwiOlwiMTAzXCIsXCJUb3BcIjowLjAsXCJMZWZ0XCI6MC4wLFwiUmlnaHRcIjowLjAsXCJCb3R0b21cIjowLjB9LFwiUGFkZGluZ1wiOntcIiRpZFwiOlwiMTA0XCIsXCJUb3BcIjowLjAsXCJMZWZ0XCI6MC4wLFwiUmlnaHRcIjowLjAsXCJCb3R0b21cIjowLjB9LFwiQmFja2dyb3VuZFwiOntcIiRpZFwiOlwiMTA1XCIsXCJDb2xvclwiOntcIiRyZWZcIjpcIjM2XCJ9fSxcIklzVmlzaWJsZVwiOnRydWUsXCJXaWR0aFwiOjAuMCxcIkhlaWdodFwiOjAuMCxcIkJvcmRlclN0eWxlXCI6bnVsbH0sXCJEYXRlU3R5bGVcIjp7XCIkaWRcIjpcIjEwNlwiLFwiRm9udFNldHRpbmdzXCI6e1wiJGlkXCI6XCIxMDdcIixcIkZvbnRTaXplXCI6MTAsXCJGb250TmFtZVwiOlwiQ2FsaWJyaVwiLFwiSXNCb2xkXCI6ZmFsc2UsXCJJc0l0YWxpY1wiOmZhbHNlLFwiSXNVbmRlcmxpbmVkXCI6ZmFsc2V9LFwiQXV0b1NpemVcIjowLFwiRm9yZWdyb3VuZFwiOntcIiRpZFwiOlwiMTA4XCIsXCJDb2xvclwiOntcIiRpZFwiOlwiMTA5XCIsXCJBXCI6MjU1LFwiUlwiOjY4LFwiR1wiOjg0LFwiQlwiOjEwNn19LFwiQmFja2dyb3VuZEZpbGxUeXBlXCI6MCxcIk1heFdpZHRoXCI6MjAwLjAsXCJNYXhIZWlnaHRcIjpcIkluZmluaXR5XCIsXCJTbWFydEZvcmVncm91bmRJc0FjdGl2ZVwiOmZhbHNlLFwiSG9yaXpvbnRhbEFsaWdubWVudFwiOjAsXCJWZXJ0aWNhbEFsaWdubWVudFwiOjAsXCJTbWFydEZvcmVncm91bmRcIjpudWxsLFwiTWFyZ2luXCI6e1wiJGlkXCI6XCIxMTBcIixcIlRvcFwiOjAuMCxcIkxlZnRcIjowLjAsXCJSaWdodFwiOjAuMCxcIkJvdHRvbVwiOjAuMH0sXCJQYWRkaW5nXCI6e1wiJGlkXCI6XCIxMTFcIixcIlRvcFwiOjAuMCxcIkxlZnRcIjowLjAsXCJSaWdodFwiOjAuMCxcIkJvdHRvbVwiOjAuMH0sXCJCYWNrZ3JvdW5kXCI6e1wiJGlkXCI6XCIxMTJcIixcIkNvbG9yXCI6e1wiJHJlZlwiOlwiMzZcIn19LFwiSXNWaXNpYmxlXCI6dHJ1ZSxcIldpZHRoXCI6MC4wLFwiSGVpZ2h0XCI6MC4wLFwiQm9yZGVyU3R5bGVcIjpudWxsfSxcIkRhdGVGb3JtYXRcIjp7XCIkaWRcIjpcIjExM1wiLFwiRm9ybWF0U3RyaW5nXCI6XCJNTU0gZFwiLFwiU2VwYXJhdG9yXCI6XCIvXCIsXCJVc2VJbnRlcm5hdGlvbmFsRGF0ZUZvcm1hdFwiOmZhbHNlLFwiRGF0ZUlzVmlzaWJsZVwiOnRydWUsXCJUaW1lSXNWaXNpYmxlXCI6ZmFsc2UsXCJIb3VyRGlnaXRzXCI6MSxcIkFtUG1EZXNpZ25hdG9yXCI6MixcIlRyaW0wME1pbnV0ZXNcIjpmYWxzZSxcIkxhc3RLbm93blZpc2liaWxpdHlTdGF0ZVwiOm51bGx9LFwiSXNWaXNpYmxlXCI6dHJ1ZX0sXCJEZWZhdWx0VGFza1N0eWxlXCI6e1wiJGlkXCI6XCIxMTRcIixcIlNoYXBlXCI6MixcIlNoYXBlVGhpY2tuZXNzXCI6MSxcIkR1cmF0aW9uRm9ybWF0XCI6MCxcIlBlcmNlbnRhZ2VDb21wbGV0ZVN0eWxlXCI6e1wiJGlkXCI6XCIxMTVcIixcIkZvbnRTZXR0aW5nc1wiOntcIiRpZFwiOlwiMTE2XCIsXCJGb250U2l6ZVwiOjEwLFwiRm9udE5hbWVcIjpcIkNhbGlicmlcIixcIklzQm9sZFwiOmZhbHNlLFwiSXNJdGFsaWNcIjpmYWxzZSxcIklzVW5kZXJsaW5lZFwiOmZhbHNlfSxcIkF1dG9TaXplXCI6MCxcIkZvcmVncm91bmRcIjp7XCIkaWRcIjpcIjExN1wiLFwiQ29sb3JcIjp7XCIkaWRcIjpcIjExOFwiLFwiQVwiOjI1NSxcIlJcIjoyMzcsXCJHXCI6MTI1LFwiQlwiOjQ5fX0sXCJCYWNrZ3JvdW5kRmlsbFR5cGVcIjowLFwiTWF4V2lkdGhcIjoyMDAuMCxcIk1heEhlaWdodFwiOlwiSW5maW5pdHlcIixcIlNtYXJ0Rm9yZWdyb3VuZElzQWN0aXZlXCI6ZmFsc2UsXCJIb3Jpem9udGFsQWxpZ25tZW50XCI6MCxcIlZlcnRpY2FsQWxpZ25tZW50XCI6MCxcIlNtYXJ0Rm9yZWdyb3VuZFwiOm51bGwsXCJNYXJnaW5cIjp7XCIkaWRcIjpcIjExOVwiLFwiVG9wXCI6MC4wLFwiTGVmdFwiOjAuMCxcIlJpZ2h0XCI6MC4wLFwiQm90dG9tXCI6MC4wfSxcIlBhZGRpbmdcIjp7XCIkaWRcIjpcIjEyMFwiLFwiVG9wXCI6MC4wLFwiTGVmdFwiOjAuMCxcIlJpZ2h0XCI6MC4wLFwiQm90dG9tXCI6MC4wfSxcIkJhY2tncm91bmRcIjp7XCIkaWRcIjpcIjEyMVwiLFwiQ29sb3JcIjp7XCIkcmVmXCI6XCIzNlwifX0sXCJJc1Zpc2libGVcIjp0cnVlLFwiV2lkdGhcIjowLjAsXCJIZWlnaHRcIjowLjAsXCJCb3JkZXJTdHlsZVwiOm51bGx9LFwiRHVyYXRpb25TdHlsZVwiOntcIiRpZFwiOlwiMTIyXCIsXCJGb250U2V0dGluZ3NcIjp7XCIkaWRcIjpcIjEyM1wiLFwiRm9udFNpemVcIjoxMCxcIkZvbnROYW1lXCI6XCJDYWxpYnJpXCIsXCJJc0JvbGRcIjpmYWxzZSxcIklzSXRhbGljXCI6ZmFsc2UsXCJJc1VuZGVybGluZWRcIjpmYWxzZX0sXCJBdXRvU2l6ZVwiOjAsXCJGb3JlZ3JvdW5kXCI6e1wiJGlkXCI6XCIxMjRcIixcIkNvbG9yXCI6e1wiJGlkXCI6XCIxMjVcIixcIkFcIjoyNTUsXCJSXCI6MjM3LFwiR1wiOjEyNSxcIkJcIjo0OX19LFwiQmFja2dyb3VuZEZpbGxUeXBlXCI6MCxcIk1heFdpZHRoXCI6MjAwLjAsXCJNYXhIZWlnaHRcIjpcIkluZmluaXR5XCIsXCJTbWFydEZvcmVncm91bmRJc0FjdGl2ZVwiOmZhbHNlLFwiSG9yaXpvbnRhbEFsaWdubWVudFwiOjAsXCJWZXJ0aWNhbEFsaWdubWVudFwiOjAsXCJTbWFydEZvcmVncm91bmRcIjpudWxsLFwiTWFyZ2luXCI6e1wiJGlkXCI6XCIxMjZcIixcIlRvcFwiOjAuMCxcIkxlZnRcIjowLjAsXCJSaWdodFwiOjAuMCxcIkJvdHRvbVwiOjAuMH0sXCJQYWRkaW5nXCI6e1wiJGlkXCI6XCIxMjdcIixcIlRvcFwiOjAuMCxcIkxlZnRcIjowLjAsXCJSaWdodFwiOjAuMCxcIkJvdHRvbVwiOjAuMH0sXCJCYWNrZ3JvdW5kXCI6e1wiJGlkXCI6XCIxMjhcIixcIkNvbG9yXCI6e1wiJHJlZlwiOlwiMzZcIn19LFwiSXNWaXNpYmxlXCI6dHJ1ZSxcIldpZHRoXCI6MC4wLFwiSGVpZ2h0XCI6MC4wLFwiQm9yZGVyU3R5bGVcIjpudWxsfSxcIkhvcml6b250YWxDb25uZWN0b3JTdHlsZVwiOntcIiRpZFwiOlwiMTI5XCIsXCJMaW5lQ29sb3JcIjp7XCIkaWRcIjpcIjEzMFwiLFwiJHR5cGVcIjpcIk5MUkUuQ29tbW9uLkRvbS5Tb2xpZENvbG9yQnJ1c2gsIE5MUkUuQ29tbW9uXCIsXCJDb2xvclwiOntcIiRpZFwiOlwiMTMxXCIsXCJBXCI6MjU1LFwiUlwiOjIwNCxcIkdcIjoyMDQsXCJCXCI6MjA0fX0sXCJMaW5lV2VpZ2h0XCI6MS4wLFwiTGluZVR5cGVcIjowfSxcIlZlcnRpY2FsQ29ubmVjdG9yU3R5bGVcIjp7XCIkaWRcIjpcIjEzMlwiLFwiTGluZUNvbG9yXCI6e1wiJGlkXCI6XCIxMzNcIixcIiR0eXBlXCI6XCJOTFJFLkNvbW1vbi5Eb20uU29saWRDb2xvckJydXNoLCBOTFJFLkNvbW1vblwiLFwiQ29sb3JcIjp7XCIkaWRcIjpcIjEzNFwiLFwiQVwiOjI1NSxcIlJcIjoyMDQsXCJHXCI6MjA0LFwiQlwiOjIwNH19LFwiTGluZVdlaWdodFwiOjAuMCxcIkxpbmVUeXBlXCI6MH0sXCJNYXJnaW5cIjpudWxsLFwiU3RhcnREYXRlUG9zaXRpb25cIjozLFwiRW5kRGF0ZVBvc2l0aW9uXCI6NCxcIlRpdGxlUG9zaXRpb25cIjoyLFwiRHVyYXRpb25Qb3NpdGlvblwiOjYsXCJQZXJjZW50YWdlQ29tcGxldGVkUG9zaXRpb25cIjo2LFwiU3BhY2luZ1wiOjUsXCJJc0JlbG93VGltZWJhbmRcIjp0cnVlLFwiUGVyY2VudGFnZUNvbXBsZXRlU2hhcGVPcGFjaXR5XCI6MzUsXCJHcm91cE5hbWVcIjpudWxsLFwiQXR0YWNoZWRNaWxlc3RvbmVzU3R5bGVzXCI6bnVsbCxcIlNoYXBlU3R5bGVcIjp7XCIkaWRcIjpcIjEzNVwiLFwiTWFyZ2luXCI6e1wiJGlkXCI6XCIxMzZcIixcIlRvcFwiOjAuMCxcIkxlZnRcIjo0LjAsXCJSaWdodFwiOjQuMCxcIkJvdHRvbVwiOjAuMH0sXCJQYWRkaW5nXCI6e1wiJGlkXCI6XCIxMzdcIixcIlRvcFwiOjAuMCxcIkxlZnRcIjowLjAsXCJSaWdodFwiOjAuMCxcIkJvdHRvbVwiOjAuMH0sXCJCYWNrZ3JvdW5kXCI6e1wiJGlkXCI6XCIxMzhcIixcIkNvbG9yXCI6e1wiJGlkXCI6XCIxMzlcIixcIkFcIjoyNTUsXCJSXCI6MCxcIkdcIjoxMTQsXCJCXCI6MTg4fX0sXCJJc1Zpc2libGVcIjp0cnVlLFwiV2lkdGhcIjowLjAsXCJIZWlnaHRcIjoxNi4wLFwiQm9yZGVyU3R5bGVcIjp7XCIkaWRcIjpcIjE0MFwiLFwiTGluZUNvbG9yXCI6e1wiJGlkXCI6XCIxNDFcIixcIiR0eXBlXCI6XCJOTFJFLkNvbW1vbi5Eb20uU29saWRDb2xvckJydXNoLCBOTFJFLkNvbW1vblwiLFwiQ29sb3JcIjp7XCIkaWRcIjpcIjE0MlwiLFwiQVwiOjI1NSxcIlJcIjoyNTUsXCJHXCI6MCxcIkJcIjowfX0sXCJMaW5lV2VpZ2h0XCI6MC4wLFwiTGluZVR5cGVcIjowfX0sXCJUaXRsZVN0eWxlXCI6e1wiJGlkXCI6XCIxNDNcIixcIkZvbnRTZXR0aW5nc1wiOntcIiRpZFwiOlwiMTQ0XCIsXCJGb250U2l6ZVwiOjExLFwiRm9udE5hbWVcIjpcIkNhbGlicmlcIixcIklzQm9sZFwiOnRydWUsXCJJc0l0YWxpY1wiOmZhbHNlLFwiSXNVbmRlcmxpbmVkXCI6ZmFsc2V9LFwiQXV0b1NpemVcIjowLFwiRm9yZWdyb3VuZFwiOntcIiRpZFwiOlwiMTQ1XCIsXCJDb2xvclwiOntcIiRpZFwiOlwiMTQ2XCIsXCJBXCI6MjU1LFwiUlwiOjAsXCJHXCI6MCxcIkJcIjowfX0sXCJCYWNrZ3JvdW5kRmlsbFR5cGVcIjowLFwiTWF4V2lkdGhcIjo5NjAuMCxcIk1heEhlaWdodFwiOlwiSW5maW5pdHlcIixcIlNtYXJ0Rm9yZWdyb3VuZElzQWN0aXZlXCI6ZmFsc2UsXCJIb3Jpem9udGFsQWxpZ25tZW50XCI6MSxcIlZlcnRpY2FsQWxpZ25tZW50XCI6MCxcIlNtYXJ0Rm9yZWdyb3VuZFwiOm51bGwsXCJNYXJnaW5cIjp7XCIkaWRcIjpcIjE0N1wiLFwiVG9wXCI6MC4wLFwiTGVmdFwiOjAuMCxcIlJpZ2h0XCI6MC4wLFwiQm90dG9tXCI6MC4wfSxcIlBhZGRpbmdcIjp7XCIkaWRcIjpcIjE0OFwiLFwiVG9wXCI6MC4wLFwiTGVmdFwiOjAuMCxcIlJpZ2h0XCI6MC4wLFwiQm90dG9tXCI6MC4wfSxcIkJhY2tncm91bmRcIjp7XCIkaWRcIjpcIjE0OVwiLFwiQ29sb3JcIjp7XCIkcmVmXCI6XCIzNlwifX0sXCJJc1Zpc2libGVcIjp0cnVlLFwiV2lkdGhcIjowLjAsXCJIZWlnaHRcIjowLjAsXCJCb3JkZXJTdHlsZVwiOm51bGx9LFwiRGF0ZVN0eWxlXCI6e1wiJGlkXCI6XCIxNTBcIixcIkZvbnRTZXR0aW5nc1wiOntcIiRpZFwiOlwiMTUxXCIsXCJGb250U2l6ZVwiOjEwLFwiRm9udE5hbWVcIjpcIkNhbGlicmlcIixcIklzQm9sZFwiOmZhbHNlLFwiSXNJdGFsaWNcIjpmYWxzZSxcIklzVW5kZXJsaW5lZFwiOmZhbHNlfSxcIkF1dG9TaXplXCI6MCxcIkZvcmVncm91bmRcIjp7XCIkaWRcIjpcIjE1MlwiLFwiQ29sb3JcIjp7XCIkaWRcIjpcIjE1M1wiLFwiQVwiOjI1NSxcIlJcIjo2OCxcIkdcIjo4NCxcIkJcIjoxMDZ9fSxcIkJhY2tncm91bmRGaWxsVHlwZVwiOjAsXCJNYXhXaWR0aFwiOjIwMC4wLFwiTWF4SGVpZ2h0XCI6XCJJbmZpbml0eVwiLFwiU21hcnRGb3JlZ3JvdW5kSXNBY3RpdmVcIjpmYWxzZSxcIkhvcml6b250YWxBbGlnbm1lbnRcIjoxLFwiVmVydGljYWxBbGlnbm1lbnRcIjowLFwiU21hcnRGb3JlZ3JvdW5kXCI6bnVsbCxcIk1hcmdpblwiOntcIiRpZFwiOlwiMTU0XCIsXCJUb3BcIjowLjAsXCJMZWZ0XCI6MC4wLFwiUmlnaHRcIjowLjAsXCJCb3R0b21cIjowLjB9LFwiUGFkZGluZ1wiOntcIiRpZFwiOlwiMTU1XCIsXCJUb3BcIjowLjAsXCJMZWZ0XCI6MC4wLFwiUmlnaHRcIjowLjAsXCJCb3R0b21cIjowLjB9LFwiQmFja2dyb3VuZFwiOntcIiRpZFwiOlwiMTU2XCIsXCJDb2xvclwiOntcIiRyZWZcIjpcIjM2XCJ9fSxcIklzVmlzaWJsZVwiOnRydWUsXCJXaWR0aFwiOjAuMCxcIkhlaWdodFwiOjAuMCxcIkJvcmRlclN0eWxlXCI6bnVsbH0sXCJEYXRlRm9ybWF0XCI6e1wiJGlkXCI6XCIxNTdcIixcIkZvcm1hdFN0cmluZ1wiOlwiTU1NIGRcIixcIlNlcGFyYXRvclwiOlwiL1wiLFwiVXNlSW50ZXJuYXRpb25hbERhdGVGb3JtYXRcIjpmYWxzZSxcIkRhdGVJc1Zpc2libGVcIjp0cnVlLFwiVGltZUlzVmlzaWJsZVwiOmZhbHNlLFwiSG91ckRpZ2l0c1wiOjEsXCJBbVBtRGVzaWduYXRvclwiOjIsXCJUcmltMDBNaW51dGVzXCI6ZmFsc2UsXCJMYXN0S25vd25WaXNpYmlsaXR5U3RhdGVcIjpudWxsfSxcIklzVmlzaWJsZVwiOnRydWV9LFwiU2hvd0VsYXBzZWRUaW1lR3JhZGllbnRTdHlsZVwiOmZhbHNlLFwiVGltZWJhbmRSZXNlcnZlZExlZnRBcmVhU3R5bGVcIjpudWxsLFwiRGVmYXVsdFN3aW1sYW5lU3R5bGVcIjp7XCIkaWRcIjpcIjE1OFwiLFwiSGVhZGVyU3R5bGVcIjp7XCIkaWRcIjpcIjE1OVwiLFwiVGV4dFN0eWxlXCI6e1wiJGlkXCI6XCIxNjBcIixcIkZvbnRTZXR0aW5nc1wiOntcIiRpZFwiOlwiMTYxXCIsXCJGb250U2l6ZVwiOjEyLFwiRm9udE5hbWVcIjpcIkNhbGlicmlcIixcIklzQm9sZFwiOmZhbHNlLFwiSXNJdGFsaWNcIjpmYWxzZSxcIklzVW5kZXJsaW5lZFwiOmZhbHNlfSxcIkF1dG9TaXplXCI6MCxcIkZvcmVncm91bmRcIjp7XCIkaWRcIjpcIjE2MlwiLFwiQ29sb3JcIjp7XCIkaWRcIjpcIjE2M1wiLFwiQVwiOjI1NSxcIlJcIjozMixcIkdcIjo1NixcIkJcIjoxMDB9fSxcIkJhY2tncm91bmRGaWxsVHlwZVwiOjAsXCJNYXhXaWR0aFwiOjAuMCxcIk1heEhlaWdodFwiOjAuMCxcIlNtYXJ0Rm9yZWdyb3VuZElzQWN0aXZlXCI6ZmFsc2UsXCJIb3Jpem9udGFsQWxpZ25tZW50XCI6MCxcIlZlcnRpY2FsQWxpZ25tZW50XCI6MCxcIlNtYXJ0Rm9yZWdyb3VuZFwiOm51bGwsXCJNYXJnaW5cIjp7XCIkaWRcIjpcIjE2NFwiLFwiVG9wXCI6MC4wLFwiTGVmdFwiOjAuMCxcIlJpZ2h0XCI6MC4wLFwiQm90dG9tXCI6MC4wfSxcIlBhZGRpbmdcIjp7XCIkaWRcIjpcIjE2NVwiLFwiVG9wXCI6MC4wLFwiTGVmdFwiOjAuMCxcIlJpZ2h0XCI6MC4wLFwiQm90dG9tXCI6MC4wfSxcIkJhY2tncm91bmRcIjpudWxsLFwiSXNWaXNpYmxlXCI6ZmFsc2UsXCJXaWR0aFwiOjAuMCxcIkhlaWdodFwiOjAuMCxcIkJvcmRlclN0eWxlXCI6bnVsbH0sXCJSZWN0YW5nbGVTdHlsZVwiOntcIiRpZFwiOlwiMTY2XCIsXCJNYXJnaW5cIjp7XCIkaWRcIjpcIjE2N1wiLFwiVG9wXCI6MC4wLFwiTGVmdFwiOjAuMCxcIlJpZ2h0XCI6MC4wLFwiQm90dG9tXCI6MC4wfSxcIlBhZGRpbmdcIjp7XCIkaWRcIjpcIjE2OFwiLFwiVG9wXCI6MC4wLFwiTGVmdFwiOjAuMCxcIlJpZ2h0XCI6MC4wLFwiQm90dG9tXCI6MC4wfSxcIkJhY2tncm91bmRcIjp7XCIkaWRcIjpcIjE2OVwiLFwiQ29sb3JcIjp7XCIkaWRcIjpcIjE3MFwiLFwiQVwiOjEyNyxcIlJcIjo5MSxcIkdcIjoxNTUsXCJCXCI6MjEzfX0sXCJJc1Zpc2libGVcIjpmYWxzZSxcIldpZHRoXCI6MC4wLFwiSGVpZ2h0XCI6MC4wLFwiQm9yZGVyU3R5bGVcIjp7XCIkaWRcIjpcIjE3MVwiLFwiTGluZUNvbG9yXCI6e1wiJGlkXCI6XCIxNzJcIixcIiR0eXBlXCI6XCJOTFJFLkNvbW1vbi5Eb20uU29saWRDb2xvckJydXNoLCBOTFJFLkNvbW1vblwiLFwiQ29sb3JcIjp7XCIkaWRcIjpcIjE3M1wiLFwiQVwiOjI1NSxcIlJcIjoyNTUsXCJHXCI6MCxcIkJcIjowfX0sXCJMaW5lV2VpZ2h0XCI6MC4wLFwiTGluZVR5cGVcIjowfX0sXCJUZXh0SXNWZXJ0aWNhbFwiOmZhbHNlfSxcIkJhY2tncm91bmRTdHlsZVwiOntcIiRpZFwiOlwiMTc0XCIsXCJNYXJnaW5cIjp7XCIkaWRcIjpcIjE3NVwiLFwiVG9wXCI6MC4wLFwiTGVmdFwiOjAuMCxcIlJpZ2h0XCI6MC4wLFwiQm90dG9tXCI6MC4wfSxcIlBhZGRpbmdcIjp7XCIkaWRcIjpcIjE3NlwiLFwiVG9wXCI6MC4wLFwiTGVmdFwiOjAuMCxcIlJpZ2h0XCI6MC4wLFwiQm90dG9tXCI6MC4wfSxcIkJhY2tncm91bmRcIjp7XCIkaWRcIjpcIjE3N1wiLFwiQ29sb3JcIjp7XCIkaWRcIjpcIjE3OFwiLFwiQVwiOjM4LFwiUlwiOjkxLFwiR1wiOjE1NSxcIkJcIjoyMTN9fSxcIklzVmlzaWJsZVwiOnRydWUsXCJXaWR0aFwiOjAuMCxcIkhlaWdodFwiOjAuMCxcIkJvcmRlclN0eWxlXCI6e1wiJGlkXCI6XCIxNzlcIixcIkxpbmVDb2xvclwiOntcIiRpZFwiOlwiMTgwXCIsXCIkdHlwZVwiOlwiTkxSRS5Db21tb24uRG9tLlNvbGlkQ29sb3JCcnVzaCwgTkxSRS5Db21tb25cIixcIkNvbG9yXCI6e1wiJGlkXCI6XCIxODFcIixcIkFcIjoyNTUsXCJSXCI6MjU1LFwiR1wiOjAsXCJCXCI6MH19LFwiTGluZVdlaWdodFwiOjAuMCxcIkxpbmVUeXBlXCI6MH19LFwiSXNBYm92ZVRpbWViYW5kXCI6ZmFsc2V9LFwiQ3VzdG9tTWlsZXN0b25lU3R5bGVMaXN0XCI6W10sXCJDdXN0b21UYXNrU3R5bGVMaXN0XCI6W10sXCJDdXN0b21Td2ltbGFuZURlZmluaXRpb25TdHlsZUxpc3RcIjpbXSxcIkN1c3RvbVN3aW1sYW5lVjJTdHlsZUxpc3RcIjpbXSxcIkdyaWRsaW5lUGFuZWxTdHlsZVwiOntcIiRpZFwiOlwiMTgyXCIsXCJHcmlkbGluZVN0eWxlXCI6e1wiJGlkXCI6XCIxODNcIixcIkxpbmVDb2xvclwiOntcIiRpZFwiOlwiMTg0XCIsXCIkdHlwZVwiOlwiTkxSRS5Db21tb24uRG9tLlNvbGlkQ29sb3JCcnVzaCwgTkxSRS5Db21tb25cIixcIkNvbG9yXCI6e1wiJGlkXCI6XCIxODVcIixcIkFcIjozOCxcIlJcIjo5MSxcIkdcIjoxNTUsXCJCXCI6MjEzfX0sXCJMaW5lV2VpZ2h0XCI6MS4wLFwiTGluZVR5cGVcIjowfSxcIklzVmlzaWJsZVwiOnRydWV9LFwiQWN0aXZpdHlMaW5lUGFuZWxTdHlsZVwiOntcIiRpZFwiOlwiMTg2XCIsXCJBY3Rpdml0eUxpbmVTdHlsZVwiOntcIiRpZFwiOlwiMTg3XCIsXCJMaW5lQ29sb3JcIjp7XCIkaWRcIjpcIjE4OFwiLFwiJHR5cGVcIjpcIk5MUkUuQ29tbW9uLkRvbS5Tb2xpZENvbG9yQnJ1c2gsIE5MUkUuQ29tbW9uXCIsXCJDb2xvclwiOntcIiRpZFwiOlwiMTg5XCIsXCJBXCI6MzgsXCJSXCI6NjgsXCJHXCI6MTE0LFwiQlwiOjE5Nn19LFwiTGluZVdlaWdodFwiOjEuMCxcIkxpbmVUeXBlXCI6MH0sXCJJc1Zpc2libGVcIjp0cnVlfX0sXCJTY2FsZVwiOntcIiRpZFwiOlwiMTkwXCIsXCJTdGFydERhdGVcIjpcIjAwMDEtMDEtMDFUMDA6MDA6MDBcIixcIkVuZERhdGVcIjpcIjAwMDEtMDEtMDFUMDA6MDA6MDBcIixcIkZvcm1hdFwiOlwid1wiLFwiVHlwZVwiOjEsXCJBdXRvRGF0ZVJhbmdlXCI6dHJ1ZSxcIldvcmtpbmdEYXlzXCI6MzEsXCJUb2RheU1hcmtlclRleHRcIjpcIlRvZGF5XCIsXCJBdXRvU2NhbGVUeXBlXCI6dHJ1ZX0sXCJTY2FsZVYyXCI6e1wiJGlkXCI6XCIxOTFcIixcIlN0YXJ0RGF0ZVwiOlwiMDAwMS0wMS0wMVQwMDowMDowMFwiLFwiRW5kRGF0ZVwiOlwiMDAwMS0wMS0wMVQwMDowMDowMFwiLFwiQXV0b0RhdGVSYW5nZVwiOnRydWUsXCJXb3JraW5nRGF5c1wiOjMxLFwiVG9kYXlNYXJrZXJUZXh0XCI6XCJUb2RheVwiLFwiQXV0b1NjYWxlVHlwZVwiOnRydWUsXCJUaW1lYmFuZFNjYWxlc1wiOntcIiRpZFwiOlwiMTkyXCIsXCJUb3BTY2FsZUxheWVyXCI6e1wiJGlkXCI6XCIxOTNcIixcIkZvcm1hdFwiOlwid1wiLFwiVHlwZVwiOjF9LFwiTWlkZGxlU2NhbGVMYXllclwiOntcIiRpZFwiOlwiMTk0XCIsXCJGb3JtYXRcIjpudWxsLFwiVHlwZVwiOjB9LFwiQm90dG9tU2NhbGVMYXllclwiOntcIiRpZFwiOlwiMTk1XCIsXCJGb3JtYXRcIjpudWxsLFwiVHlwZVwiOjB9fX0sXCJNaWxlc3RvbmVzXCI6W10sXCJUYXNrc1wiOltdLFwiU3dpbWxhbmVzXCI6W10sXCJTd2ltbGFuZXNWMlwiOltdLFwiU2V0dGluZ3NcIjp7XCIkaWRcIjpcIjE5NlwiLFwiSW1wYU9wdGlvbnNcIjp7XCIkaWRcIjpcIjE5N1wiLFwiTGVmdFRvUmlnaHRcIjpmYWxzZSxcIlBheWxvYWRPcHRpb25zXCI6Mn19LFwiVGltZUNvbmZpZ3VyYXRpb25cIjp7XCIkaWRcIjpcIjE5OFwiLFwiVXNlVGltZVwiOmZhbHNlLFwiV29ya0RheVN0YXJ0XCI6XCIwMDowMDowMFwiLFwiV29ya0RheUVuZFwiOlwiMjM6NTk6MDBcIn19IiwiUmVjZW50Q29sb3JzQ29sbGVjdGlvbiI6IltcIiNGRjFBQUE0MlwiXSJ9LCJTZXR0aW5ncyI6eyIkaWQiOiI4NTciLCJJbXBhT3B0aW9ucyI6eyIkaWQiOiI4NTgiLCJMZWZ0VG9SaWdodCI6ZmFsc2UsIlBheWxvYWRPcHRpb25zIjoyfSwiVXNlQ29tcHJlc3Npb24iOmZhbHNlLCJDb21wcmVzaW9uUGVyY2VudGFnZSI6NTAuMCwiSW5hY3RpdmVJbnRlcnZhbFdpZHRoVGhyZXNob2xkIjozMC4wLCJJbmFjdGl2ZUludGVydmFsV2lkdGgiOjEuMCwiU3BsaXRUYXNrcyI6ZmFsc2UsIlVzZUNsdXN0ZXIiOmZhbHNlLCJFcHNpbG9uIjo1LjAsIk1pblBvaW50c1RvRm9ybUFDbHVzdGVyIjoyLCJHZW5lcmF0ZUludmlzaWJsZVNoYXBlcyI6ZmFsc2UsIlNtYXJ0VGltZWxpbmVUYXNrUGVyY2VudGFnZUZpdCI6ZmFsc2V9LCJJc05ldyI6ZmFsc2UsIkltcG9ydFR5cGUiOjAsIkZpbGVQYXRoIjpudWxsLCJUaW1lQ29uZmlndXJhdGlvbiI6eyIkaWQiOiI4NTkiLCJVc2VUaW1lIjpmYWxzZSwiV29ya0RheVN0YXJ0IjoiMDA6MDA6MDAiLCJXb3JrRGF5RW5kIjoiMjM6NTk6MDAifSwiTGFzdFVzZWRUZW1wbGF0ZUlkIjoiYzExZjZmNDktN2RiOC00NWZkLWJhMzItYmZjYWVhNDkyZjM5IiwiRmlyc3RXZWVrT2ZZZWFyIjowLCJQbGFjZU1pbGVzdG9uZUF0VGhlQmVnaW5uaW5nT2ZUaGVEYXkiOmZhbHNlfQ=="/>
@@ -24642,18 +31042,182 @@
 </p:tagLst>
 </file>
 
+<file path=ppt/tags/tag377.xml><?xml version="1.0" encoding="utf-8"?>
+<p:tagLst xmlns:a="http://schemas.openxmlformats.org/drawingml/2006/main" xmlns:r="http://schemas.openxmlformats.org/officeDocument/2006/relationships" xmlns:p="http://schemas.openxmlformats.org/presentationml/2006/main">
+  <p:tag name="__PART_0" val="eyIkaWQiOiIxIiwiX3N3aW1sYW5lc1YyIjpbeyIkaWQiOiIyIiwiX2FjdGl2aXRpZXMiOlt7IiRpZCI6IjMiLCJfcm93cyI6W3siJGlkIjoiNCIsIl90YXNrcyI6W3siJGlkIjoiNSIsIl9hdHRhY2hlZE1pbGVzdG9uZXMiOltdLCJUYXNrRGVmaW5pdGlvbiI6eyIkaWQiOiI2IiwiR3JvdXBOYW1lIjpudWxsLCJTdGFydERhdGUiOiIyMDIyLTA1LTIxVDAwOjAwOjAwWiIsIkVuZERhdGUiOiIyMDIyLTA1LTI0VDIzOjU5OjAwWiIsIlBlcmNlbnRhZ2VDb21wbGV0ZSI6bnVsbCwiU3R5bGUiOnsiJGlkIjoiNyIsIlNoYXBlIjoyLCJTaGFwZVRoaWNrbmVzcyI6MSwiRHVyYXRpb25Gb3JtYXQiOjAsIkluY2x1ZGVOb25Xb3JraW5nRGF5c0luRHVyYXRpb24iOmZhbHNlLCJQZXJjZW50YWdlQ29tcGxldGVTdHlsZSI6eyIkaWQiOiI4IiwiRm9udFNldHRpbmdzIjp7IiRpZCI6IjkiLCJGb250U2l6ZSI6MTAsIkZvbnROYW1lIjoiQ2FsaWJyaSIsIklzQm9sZCI6ZmFsc2UsIklzSXRhbGljIjpmYWxzZSwiSXNVbmRlcmxpbmVkIjpmYWxzZSwiUGFyZW50U3R5bGUiOm51bGx9LCJBdXRvU2l6ZSI6MCwiRm9yZWdyb3VuZCI6eyIkaWQiOiIxMCIsIkNvbG9yIjp7IiRpZCI6IjExIiwiQSI6MjU1LCJSIjoyMzcsIkciOjEyNSwiQiI6NDl9fSwiTWF4V2lkdGgiOjIwMC4wLCJNYXhIZWlnaHQiOiJJbmZpbml0eSIsIlNtYXJ0Rm9yZWdyb3VuZElzQWN0aXZlIjpmYWxzZSwiSG9yaXpvbnRhbEFsaWdubWVudCI6MCwiVmVydGljYWxBbGlnbm1lbnQiOjAsIlNtYXJ0Rm9yZWdyb3VuZCI6bnVsbCwiQmFja2dyb3VuZEZpbGxUeXBlIjowLCJNYXJnaW4iOnsiJGlkIjoiMTIiLCJUb3AiOjAuMCwiTGVmdCI6MC4wLCJSaWdodCI6MC4wLCJCb3R0b20iOjAuMH0sIlBhZGRpbmciOnsiJGlkIjoiMTMiLCJUb3AiOjAuMCwiTGVmdCI6MC4wLCJSaWdodCI6MC4wLCJCb3R0b20iOjAuMH0sIkJhY2tncm91bmQiOnsiJGlkIjoiMTQiLCJDb2xvciI6eyIkaWQiOiIxNSIsIkEiOjg5LCJSIjowLCJHIjowLCJCIjowfX0sIklzVmlzaWJsZSI6dHJ1ZSwiV2lkdGgiOjAuMCwiSGVpZ2h0IjowLjAsIkJvcmRlclN0eWxlIjp7IiRpZCI6IjE2IiwiTGluZUNvbG9yIjpudWxsLCJMaW5lV2VpZ2h0IjowLjAsIkxpbmVUeXBlIjowLCJQYXJlbnRTdHlsZSI6bnVsbH0sIlBhcmVudFN0eWxlIjpudWxsfSwiRHVyYXRpb25TdHlsZSI6eyIkaWQiOiIxNyIsIkZvbnRTZXR0aW5ncyI6eyIkaWQiOiIxOCIsIkZvbnRTaXplIjoxMCwiRm9udE5hbWUiOiJDYWxpYnJpIiwiSXNCb2xkIjpmYWxzZSwiSXNJdGFsaWMiOmZhbHNlLCJJc1VuZGVybGluZWQiOmZhbHNlLCJQYXJlbnRTdHlsZSI6bnVsbH0sIkF1dG9TaXplIjowLCJGb3JlZ3JvdW5kIjp7IiRpZCI6IjE5IiwiQ29sb3IiOnsiJGlkIjoiMjAiLCJBIjoyNTUsIlIiOjIzNywiRyI6MTI1LCJCIjo0OX19LCJNYXhXaWR0aCI6MjAwLjAsIk1heEhlaWdodCI6IkluZmluaXR5IiwiU21hcnRGb3JlZ3JvdW5kSXNBY3RpdmUiOmZhbHNlLCJIb3Jpem9udGFsQWxpZ25tZW50IjowLCJWZXJ0aWNhbEFsaWdubWVudCI6MCwiU21hcnRGb3JlZ3JvdW5kIjpudWxsLCJCYWNrZ3JvdW5kRmlsbFR5cGUiOjAsIk1hcmdpbiI6eyIkaWQiOiIyMSIsIlRvcCI6MC4wLCJMZWZ0IjowLjAsIlJpZ2h0IjowLjAsIkJvdHRvbSI6MC4wfSwiUGFkZGluZyI6eyIkaWQiOiIyMiIsIlRvcCI6MC4wLCJMZWZ0IjowLjAsIlJpZ2h0IjowLjAsIkJvdHRvbSI6MC4wfSwiQmFja2dyb3VuZCI6eyIkaWQiOiIyMyIsIkNvbG9yIjp7IiRyZWYiOiIxNSJ9fSwiSXNWaXNpYmxlIjp0cnVlLCJXaWR0aCI6MC4wLCJIZWlnaHQiOjAuMCwiQm9yZGVyU3R5bGUiOnsiJGlkIjoiMjQiLCJMaW5lQ29sb3IiOm51bGwsIkxpbmVXZWlnaHQiOjAuMCwiTGluZVR5cGUiOjAsIlBhcmVudFN0eWxlIjpudWxsfSwiUGFyZW50U3R5bGUiOm51bGx9LCJIb3Jpem9udGFsQ29ubmVjdG9yU3R5bGUiOnsiJGlkIjoiMjUiLCJMaW5lQ29sb3IiOnsiJGlkIjoiMjYiLCIkdHlwZSI6Ik5MUkUuQ29tbW9uLkRvbS5Tb2xpZENvbG9yQnJ1c2gsIE5MUkUuQ29tbW9uIiwiQ29sb3IiOnsiJGlkIjoiMjciLCJBIjoyNTUsIlIiOjIwNCwiRyI6MjA0LCJCIjoyMDR9fSwiTGluZVdlaWdodCI6MS4wLCJMaW5lVHlwZSI6MCwiUGFyZW50U3R5bGUiOm51bGx9LCJWZXJ0aWNhbENvbm5lY3RvclN0eWxlIjp7IiRpZCI6IjI4IiwiTGluZUNvbG9yIjp7IiRpZCI6IjI5IiwiJHR5cGUiOiJOTFJFLkNvbW1vbi5Eb20uU29saWRDb2xvckJydXNoLCBOTFJFLkNvbW1vbiIsIkNvbG9yIjp7IiRpZCI6IjMwIiwiQSI6MjU1LCJSIjoyMDQsIkciOjIwNCwiQiI6MjA0fX0sIkxpbmVXZWlnaHQiOjAuMCwiTGluZVR5cGUiOjAsIlBhcmVudFN0eWxlIjpudWxsfSwiTWFyZ2luIjpudWxsLCJTdGFydERhdGVQb3NpdGlvbiI6MywiRW5kRGF0ZVBvc2l0aW9uIjo0LCJEYXRlSXNWaXNpYmxlIjp0cnVlLCJUaXRsZVBvc2l0aW9uIjoyLCJEdXJhdGlvblBvc2l0aW9uIjo2LCJQZXJjZW50YWdlQ29tcGxldGVkUG9zaXRpb24iOjYsIlNwYWNpbmciOjUsIklzQmVsb3dUaW1lYmFuZCI6dHJ1ZSwiUGVyY2VudGFnZUNvbXBsZXRlU2hhcGVPcGFjaXR5IjozNSwiU2hhcGVTdHlsZSI6eyIkaWQiOiIzMSIsIk1hcmdpbiI6eyIkaWQiOiIzMiIsIlRvcCI6MC4wLCJMZWZ0Ijo0LjAsIlJpZ2h0Ijo0LjAsIkJvdHRvbSI6MC4wfSwiUGFkZGluZyI6eyIkaWQiOiIzMyIsIlRvcCI6MC4wLCJMZWZ0IjowLjAsIlJpZ2h0IjowLjAsIkJvdHRvbSI6MC4wfSwiQmFja2dyb3VuZCI6eyIkaWQiOiIzNCIsIkNvbG9yIjp7IiRpZCI6IjM1IiwiQSI6MjU1LCJSIjo5MSwiRyI6MTU1LCJCIjoyMTN9fSwiSXNWaXNpYmxlIjp0cnVlLCJXaWR0aCI6MC4wLCJIZWlnaHQiOjE2LjAsIkJvcmRlclN0eWxlIjp7IiRpZCI6IjM2IiwiTGluZUNvbG9yIjp7IiRpZCI6IjM3IiwiJHR5cGUiOiJOTFJFLkNvbW1vbi5Eb20uU29saWRDb2xvckJydXNoLCBOTFJFLkNvbW1vbiIsIkNvbG9yIjp7IiRpZCI6IjM4IiwiQSI6MjU1LCJSIjoyNTUsIkciOjAsIkIiOjB9fSwiTGluZVdlaWdodCI6MC4wLCJMaW5lVHlwZSI6MCwiUGFyZW50U3R5bGUiOm51bGx9LCJQYXJlbnRTdHlsZSI6bnVsbH0sIlRpdGxlU3R5bGUiOnsiJGlkIjoiMzkiLCJGb250U2V0dGluZ3MiOnsiJGlkIjoiNDAiLCJGb250U2l6ZSI6MTEsIkZvbnROYW1lIjoiQ2FsaWJyaSIsIklzQm9sZCI6dHJ1ZSwiSXNJdGFsaWMiOmZhbHNlLCJJc1VuZGVybGluZWQiOmZhbHNlLCJQYXJlbnRTdHlsZSI6bnVsbH0sIkF1dG9TaXplIjowLCJGb3JlZ3JvdW5kIjp7IiRpZCI6IjQxIiwiQ29sb3IiOnsiJGlkIjoiNDIiLCJBIjoyNTUsIlIiOjAsIkciOjAsIkIiOjB9fSwiTWF4V2lkdGgiOjcyMC4wLCJNYXhIZWlnaHQiOiJJbmZpbml0eSIsIlNtYXJ0Rm9yZWdyb3VuZElzQWN0aXZlIjpmYWxzZSwiSG9yaXpvbnRhbEFsaWdubWVudCI6MSwiVmVydGljYWxBbGlnbm1lbnQiOjAsIlNtYXJ0Rm9yZWdyb3VuZCI6bnVsbCwiQmFja2dyb3VuZEZpbGxUeXBlIjowLCJNYXJnaW4iOnsiJGlkIjoiNDMiLCJUb3AiOjAuMCwiTGVmdCI6MC4wLCJSaWdodCI6MC4wLCJCb3R0b20iOjAuMH0sIlBhZGRpbmciOnsiJGlkIjoiNDQiLCJUb3AiOjAuMCwiTGVmdCI6MC4wLCJSaWdodCI6MC4wLCJCb3R0b20iOjAuMH0sIkJhY2tncm91bmQiOnsiJGlkIjoiNDUiLCJDb2xvciI6eyIkaWQiOiI0NiIsIkEiOjAsIlIiOjI1NSwiRyI6MjU1LCJCIjoyNTV9fSwiSXNWaXNpYmxlIjp0cnVlLCJXaWR0aCI6MC4wLCJIZWlnaHQiOjAuMCwiQm9yZGVyU3R5bGUiOnsiJGlkIjoiNDciLCJMaW5lQ29sb3IiOm51bGwsIkxpbmVXZWlnaHQiOjAuMCwiTGluZVR5cGUiOjAsIlBhcmVudFN0eWxlIjpudWxsfSwiUGFyZW50U3R5bGUiOm51bGx9LCJEYXRlU3R5bGUiOnsiJGlkIjoiNDgiLCJGb250U2V0dGluZ3MiOnsiJGlkIjoiNDkiLCJGb250U2l6ZSI6MTAsIkZvbnROYW1lIjoiQ2FsaWJyaSIsIklzQm9sZCI6ZmFsc2UsIklzSXRhbGljIjpmYWxzZSwiSXNVbmRlcmxpbmVkIjpmYWxzZSwiUGFyZW50U3R5bGUiOm51bGx9LCJBdXRvU2l6ZSI6MCwiRm9yZWdyb3VuZCI6eyIkaWQiOiI1MCIsIkNvbG9yIjp7IiRpZCI6IjUxIiwiQSI6MjU1LCJSIjo2OCwiRyI6ODQsIkIiOjEwNn19LCJNYXhXaWR0aCI6MjAwLjAsIk1heEhlaWdodCI6IkluZmluaXR5IiwiU21hcnRGb3JlZ3JvdW5kSXNBY3RpdmUiOmZhbHNlLCJIb3Jpem9udGFsQWxpZ25tZW50IjoxLCJWZXJ0aWNhbEFsaWdubWVudCI6MCwiU21hcnRGb3JlZ3JvdW5kIjpudWxsLCJCYWNrZ3JvdW5kRmlsbFR5cGUiOjAsIk1hcmdpbiI6eyIkaWQiOiI1MiIsIlRvcCI6MC4wLCJMZWZ0IjowLjAsIlJpZ2h0IjowLjAsIkJvdHRvbSI6MC4wfSwiUGFkZGluZyI6eyIkaWQiOiI1MyIsIlRvcCI6MC4wLCJMZWZ0IjowLjAsIlJpZ2h0IjowLjAsIkJvdHRvbSI6MC4wfSwiQmFja2dyb3VuZCI6eyIkaWQiOiI1NCIsIkNvbG9yIjp7IiRpZCI6IjU1IiwiQSI6MCwiUiI6MjU1LCJHIjoyNTUsIkIiOjI1NX19LCJJc1Zpc2libGUiOnRydWUsIldpZHRoIjowLjAsIkhlaWdodCI6MC4wLCJCb3JkZXJTdHlsZSI6eyIkaWQiOiI1NiIsIkxpbmVDb2xvciI6bnVsbCwiTGluZVdlaWdodCI6MC4wLCJMaW5lVHlwZSI6MCwiUGFyZW50U3R5bGUiOm51bGx9LCJQYXJlbnRTdHlsZSI6bnVsbH0sIkRhdGVGb3JtYXQiOnsiJGlkIjoiNTciLCJGb3JtYXRTdHJpbmciOiJNTU0gZCIsIlNlcGFyYXRvciI6Ii8iLCJVc2VJbnRlcm5hdGlvbmFsRGF0ZUZvcm1hdCI6ZmFsc2UsIkRhdGVJc1Zpc2libGUiOnRydWUsIlRpbWVJc1Zpc2libGUiOmZhbHNlLCJIb3VyRGlnaXRzIjoxLCJBbVBtRGVzaWduYXRvciI6MiwiVHJpbTAwTWludXRlcyI6ZmFsc2UsIkxhc3RLbm93blZpc2liaWxpdHlTdGF0ZSI6bnVsbH0sIldlZWtOdW1iZXJpbmciOnsiJGlkIjoiNTgiLCJGb3JtYXQiOjAsIklzVmlzaWJsZSI6ZmFsc2UsIkxhc3RLbm93blZpc2liaWxpdHlTdGF0ZSI6ZmFsc2V9LCJJc1Zpc2libGUiOnRydWUsIlBhcmVudFN0eWxlIjpudWxsfSwiSW5kZXgiOjEsIlNtYXJ0RHVyYXRpb25BY3RpdmF0ZWQiOmZhbHNlLCJEYXRlRm9ybWF0Ijp7IiRyZWYiOiI1NyJ9LCJXZWVrTnVtYmVyaW5nIjp7IiRpZCI6IjU5IiwiRm9ybWF0IjowLCJJc1Zpc2libGUiOmZhbHNlLCJMYXN0S25vd25WaXNpYmlsaXR5U3RhdGUiOmZhbHNlfSwiSWQiOiJhMzY0MDY1Ni1iYmYxLTRiNzUtYWM5NS1kODk1ZTgyMWM2YTciLCJJbXBvcnRJZCI6bnVsbCwiVGl0bGUiOiJSZWdpc3RyYXRpb24iLCJOb3RlIjpudWxsLCJIeXBlcmxpbmsiOnsiJGlkIjoiNjAiLCJBZGRyZXNzIjoiIiwiU3ViQWRkcmVzcyI6IiJ9LCJJc0NoYW5nZWQiOmZhbHNlLCJJc05ldyI6ZmFsc2V9fV0sIl9taWxlc3RvbmVzIjpbXSwiSWQiOiIwMDAwMDAwMC0wMDAwLTAwMDAtMDAwMC0wMDAwMDAwMDAwMDAiLCJJc1NpbmdsZUl0ZW1Sb3ciOnRydWV9LHsiJGlkIjoiNjEiLCJfdGFza3MiOlt7IiRpZCI6IjYyIiwiX2F0dGFjaGVkTWlsZXN0b25lcyI6W10sIlRhc2tEZWZpbml0aW9uIjp7IiRpZCI6IjYzIiwiR3JvdXBOYW1lIjpudWxsLCJTdGFydERhdGUiOiIyMDIyLTA1LTIxVDAwOjAwOjAwWiIsIkVuZERhdGUiOiIyMDIyLTA1LTI0VDIzOjU5OjAwWiIsIlBlcmNlbnRhZ2VDb21wbGV0ZSI6bnVsbCwiU3R5bGUiOnsiJGlkIjoiNjQiLCJTaGFwZSI6MiwiU2hhcGVUaGlja25lc3MiOjEsIkR1cmF0aW9uRm9ybWF0IjowLCJJbmNsdWRlTm9uV29ya2luZ0RheXNJbkR1cmF0aW9uIjpmYWxzZSwiUGVyY2VudGFnZUNvbXBsZXRlU3R5bGUiOnsiJGlkIjoiNjUiLCJGb250U2V0dGluZ3MiOnsiJGlkIjoiNjYiLCJGb250U2l6ZSI6MTAsIkZvbnROYW1lIjoiQ2FsaWJyaSIsIklzQm9sZCI6ZmFsc2UsIklzSXRhbGljIjpmYWxzZSwiSXNVbmRlcmxpbmVkIjpmYWxzZSwiUGFyZW50U3R5bGUiOm51bGx9LCJBdXRvU2l6ZSI6MCwiRm9yZWdyb3VuZCI6eyIkcmVmIjoiMTAifSwiTWF4V2lkdGgiOjIwMC4wLCJNYXhIZWlnaHQiOiJJbmZpbml0eSIsIlNtYXJ0Rm9yZWdyb3VuZElzQWN0aXZlIjpmYWxzZSwiSG9yaXpvbnRhbEFsaWdubWVudCI6MCwiVmVydGljYWxBbGlnbm1lbnQiOjAsIlNtYXJ0Rm9yZWdyb3VuZCI6bnVsbCwiQmFja2dyb3VuZEZpbGxUeXBlIjowLCJNYXJnaW4iOnsiJHJlZiI6IjEyIn0sIlBhZGRpbmciOnsiJHJlZiI6IjEzIn0sIkJhY2tncm91bmQiOnsiJHJlZiI6IjE0In0sIklzVmlzaWJsZSI6dHJ1ZSwiV2lkdGgiOjAuMCwiSGVpZ2h0IjowLjAsIkJvcmRlclN0eWxlIjp7IiRpZCI6IjY3IiwiTGluZUNvbG9yIjpudWxsLCJMaW5lV2VpZ2h0IjowLjAsIkxpbmVUeXBlIjowLCJQYXJlbnRTdHlsZSI6bnVsbH0sIlBhcmVudFN0eWxlIjpudWxsfSwiRHVyYXRpb25TdHlsZSI6eyIkaWQiOiI2OCIsIkZvbnRTZXR0aW5ncyI6eyIkaWQiOiI2OSIsIkZvbnRTaXplIjoxMCwiRm9udE5hbWUiOiJDYWxpYnJpIiwiSXNCb2xkIjpmYWxzZSwiSXNJdGFsaWMiOmZhbHNlLCJJc1VuZGVybGluZWQiOmZhbHNlLCJQYXJlbnRTdHlsZSI6bnVsbH0sIkF1dG9TaXplIjowLCJGb3JlZ3JvdW5kIjp7IiRyZWYiOiIxOSJ9LCJNYXhXaWR0aCI6MjAwLjAsIk1heEhlaWdodCI6IkluZmluaXR5IiwiU21hcnRGb3JlZ3JvdW5kSXNBY3RpdmUiOmZhbHNlLCJIb3Jpem9udGFsQWxpZ25tZW50IjowLCJWZXJ0aWNhbEFsaWdubWVudCI6MCwiU21hcnRGb3JlZ3JvdW5kIjpudWxsLCJCYWNrZ3JvdW5kRmlsbFR5cGUiOjAsIk1hcmdpbiI6eyIkcmVmIjoiMjEifSwiUGFkZGluZyI6eyIkcmVmIjoiMjIifSwiQmFja2dyb3VuZCI6eyIkcmVmIjoiMjMifSwiSXNWaXNpYmxlIjp0cnVlLCJXaWR0aCI6MC4wLCJIZWlnaHQiOjAuMCwiQm9yZGVyU3R5bGUiOnsiJGlkIjoiNzAiLCJMaW5lQ29sb3IiOm51bGwsIkxpbmVXZWlnaHQiOjAuMCwiTGluZVR5cGUiOjAsIlBhcmVudFN0eWxlIjpudWxsfSwiUGFyZW50U3R5bGUiOm51bGx9LCJIb3Jpem9udGFsQ29ubmVjdG9yU3R5bGUiOnsiJGlkIjoiNzEiLCJMaW5lQ29sb3IiOnsiJHJlZiI6IjI2In0sIkxpbmVXZWlnaHQiOjEuMCwiTGluZVR5cGUiOjAsIlBhcmVudFN0eWxlIjpudWxsfSwiVmVydGljYWxDb25uZWN0b3JTdHlsZSI6eyIkaWQiOiI3MiIsIkxpbmVDb2xvciI6eyIkcmVmIjoiMjkifSwiTGluZVdlaWdodCI6MC4wLCJMaW5lVHlwZSI6MCwiUGFyZW50U3R5bGUiOm51bGx9LCJNYXJnaW4iOm51bGwsIlN0YXJ0RGF0ZVBvc2l0aW9uIjozLCJFbmREYXRlUG9zaXRpb24iOjQsIkRhdGVJc1Zpc2libGUiOnRydWUsIlRpdGxlUG9zaXRpb24iOjIsIkR1cmF0aW9uUG9zaXRpb24iOjYsIlBlcmNlbnRhZ2VDb21wbGV0ZWRQb3NpdGlvbiI6NiwiU3BhY2luZyI6NSwiSXNCZWxvd1RpbWViYW5kIjp0cnVlLCJQZXJjZW50YWdlQ29tcGxldGVTaGFwZU9wYWNpdHkiOjM1LCJTaGFwZVN0eWxlIjp7IiRpZCI6IjczIiwiTWFyZ2luIjp7IiRyZWYiOiIzMiJ9LCJQYWRkaW5nIjp7IiRyZWYiOiIzMyJ9LCJCYWNrZ3JvdW5kIjp7IiRpZCI6Ijc0IiwiQ29sb3IiOnsiJGlkIjoiNzUiLCJBIjoyNTUsIlIiOjkxLCJHIjoxNTUsIkIiOjIxM319LCJJc1Zpc2libGUiOnRydWUsIldpZHRoIjowLjAsIkhlaWdodCI6MTYuMCwiQm9yZGVyU3R5bGUiOnsiJGlkIjoiNzYiLCJMaW5lQ29sb3IiOnsiJHJlZiI6IjM3In0sIkxpbmVXZWlnaHQiOjAuMCwiTGluZVR5cGUiOjAsIlBhcmVudFN0eWxlIjpudWxsfSwiUGFyZW50U3R5bGUiOm51bGx9LCJUaXRsZVN0eWxlIjp7IiRpZCI6Ijc3IiwiRm9udFNldHRpbmdzIjp7IiRpZCI6Ijc4IiwiRm9udFNpemUiOjExLCJGb250TmFtZSI6IkNhbGlicmkiLCJJc0JvbGQiOnRydWUsIklzSXRhbGljIjpmYWxzZSwiSXNVbmRlcmxpbmVkIjpmYWxzZSwiUGFyZW50U3R5bGUiOm51bGx9LCJBdXRvU2l6ZSI6MCwiRm9yZWdyb3VuZCI6eyIkaWQiOiI3OSIsIkNvbG9yIjp7IiRpZCI6IjgwIiwiQSI6MjU1LCJSIjowLCJHIjowLCJCIjowfX0sIk1heFdpZHRoIjo3MjAuMCwiTWF4SGVpZ2h0IjoiSW5maW5pdHkiLCJTbWFydEZvcmVncm91bmRJc0FjdGl2ZSI6ZmFsc2UsIkhvcml6b250YWxBbGlnbm1lbnQiOjEsIlZlcnRpY2FsQWxpZ25tZW50IjowLCJTbWFydEZvcmVncm91bmQiOm51bGwsIkJhY2tncm91bmRGaWxsVHlwZSI6MCwiTWFyZ2luIjp7IiRyZWYiOiI0MyJ9LCJQYWRkaW5nIjp7IiRyZWYiOiI0NCJ9LCJCYWNrZ3JvdW5kIjp7IiRpZCI6IjgxIiwiQ29sb3IiOnsiJGlkIjoiODIiLCJBIjowLCJSIjoyNTUsIkciOjI1NSwiQiI6MjU1fX0sIklzVmlzaWJsZSI6dHJ1ZSwiV2lkdGgiOjAuMCwiSGVpZ2h0IjowLjAsIkJvcmRlclN0eWxlIjp7IiRpZCI6IjgzIiwiTGluZUNvbG9yIjpudWxsLCJMaW5lV2VpZ2h0IjowLjAsIkxpbmVUeXBlIjowLCJQYXJlbnRTdHlsZSI6bnVsbH0sIlBhcmVudFN0eWxlIjpudWxsfSwiRGF0ZVN0eWxlIjp7IiRpZCI6Ijg0IiwiRm9udFNldHRpbmdzIjp7IiRpZCI6Ijg1IiwiRm9udFNpemUiOjEwLCJGb250TmFtZSI6IkNhbGlicmkiLCJJc0JvbGQiOmZhbHNlLCJJc0l0YWxpYyI6ZmFsc2UsIklzVW5kZXJsaW5lZCI6ZmFsc2UsIlBhcmVudFN0eWxlIjpudWxsfSwiQXV0b1NpemUiOjAsIkZvcmVncm91bmQiOnsiJGlkIjoiODYiLCJDb2xvciI6eyIkaWQiOiI4NyIsIkEiOjI1NSwiUiI6NjgsIkciOjg0LCJCIjoxMDZ9fSwiTWF4V2lkdGgiOjIwMC4wLCJNYXhIZWlnaHQiOiJJbmZpbml0eSIsIlNtYXJ0Rm9yZWdyb3VuZElzQWN0aXZlIjpmYWxzZSwiSG9yaXpvbnRhbEFsaWdubWVudCI6MSwiVmVydGljYWxBbGlnbm1lbnQiOjAsIlNtYXJ0Rm9yZWdyb3VuZCI6bnVsbCwiQmFja2dyb3VuZEZpbGxUeXBlIjowLCJNYXJnaW4iOnsiJHJlZiI6IjUyIn0sIlBhZGRpbmciOnsiJHJlZiI6IjUzIn0sIkJhY2tncm91bmQiOnsiJGlkIjoiODgiLCJDb2xvciI6eyIkaWQiOiI4OSIsIkEiOjAsIlIiOjI1NSwiRyI6MjU1LCJCIjoyNTV9fSwiSXNWaXNpYmxlIjp0cnVlLCJXaWR0aCI6MC4wLCJIZWlnaHQiOjAuMCwiQm9yZGVyU3R5bGUiOnsiJGlkIjoiOTAiLCJMaW5lQ29sb3IiOm51bGwsIkxpbmVXZWlnaHQiOjAuMCwiTGluZVR5cGUiOjAsIlBhcmVudFN0eWxlIjpudWxsfSwiUGFyZW50U3R5bGUiOm51bGx9LCJEYXRlRm9ybWF0Ijp7IiRyZWYiOiI1NyJ9LCJXZWVrTnVtYmVyaW5nIjp7IiRpZCI6IjkxIiwiRm9ybWF0IjowLCJJc1Zpc2libGUiOmZhbHNlLCJMYXN0S25vd25WaXNpYmlsaXR5U3RhdGUiOmZhbHNlfSwiSXNWaXNpYmxlIjp0cnVlLCJQYXJlbnRTdHlsZSI6bnVsbH0sIkluZGV4IjoyLCJTbWFydER1cmF0aW9uQWN0aXZhdGVkIjpmYWxzZSwiRGF0ZUZvcm1hdCI6eyIkcmVmIjoiNTcifSwiV2Vla051bWJlcmluZyI6eyIkaWQiOiI5MiIsIkZvcm1hdCI6MCwiSXNWaXNpYmxlIjpmYWxzZSwiTGFzdEtub3duVmlzaWJpbGl0eVN0YXRlIjpmYWxzZX0sIklkIjoiYTMyMGMyZWQtYTYzYi00OTE2LWJlZGEtODU4ZmZmMGJlNTc1IiwiSW1wb3J0SWQiOm51bGwsIlRpdGxlIjoiTG9naW4iLCJOb3RlIjpudWxsLCJIeXBlcmxpbmsiOnsiJGlkIjoiOTMiLCJBZGRyZXNzIjoiIiwiU3ViQWRkcmVzcyI6IiJ9LCJJc0NoYW5nZWQiOmZhbHNlLCJJc05ldyI6ZmFsc2V9fV0sIl9taWxlc3RvbmVzIjpbXSwiSWQiOiIwMDAwMDAwMC0wMDAwLTAwMDAtMDAwMC0wMDAwMDAwMDAwMDAiLCJJc1NpbmdsZUl0ZW1Sb3ciOnRydWV9LHsiJGlkIjoiOTQiLCJfdGFza3MiOlt7IiRpZCI6Ijk1IiwiX2F0dGFjaGVkTWlsZXN0b25lcyI6W10sIlRhc2tEZWZpbml0aW9uIjp7IiRpZCI6Ijk2IiwiR3JvdXBOYW1lIjpudWxsLCJTdGFydERhdGUiOiIyMDIyLTA1LTIxVDAwOjAwOjAwWiIsIkVuZERhdGUiOiIyMDIyLTA1LTI0VDIzOjU5OjAwWiIsIlBlcmNlbnRhZ2VDb21wbGV0ZSI6bnVsbCwiU3R5bGUiOnsiJGlkIjoiOTciLCJTaGFwZSI6MiwiU2hhcGVUaGlja25lc3MiOjEsIkR1cmF0aW9uRm9ybWF0IjowLCJJbmNsdWRlTm9uV29ya2luZ0RheXNJbkR1cmF0aW9uIjpmYWxzZSwiUGVyY2VudGFnZUNvbXBsZXRlU3R5bGUiOnsiJGlkIjoiOTgiLCJGb250U2V0dGluZ3MiOnsiJGlkIjoiOTkiLCJGb250U2l6ZSI6MTAsIkZvbnROYW1lIjoiQ2FsaWJyaSIsIklzQm9sZCI6ZmFsc2UsIklzSXRhbGljIjpmYWxzZSwiSXNVbmRlcmxpbmVkIjpmYWxzZSwiUGFyZW50U3R5bGUiOm51bGx9LCJBdXRvU2l6ZSI6MCwiRm9yZWdyb3VuZCI6eyIkcmVmIjoiMTAifSwiTWF4V2lkdGgiOjIwMC4wLCJNYXhIZWlnaHQiOiJJbmZpbml0eSIsIlNtYXJ0Rm9yZWdyb3VuZElzQWN0aXZlIjpmYWxzZSwiSG9yaXpvbnRhbEFsaWdubWVudCI6MCwiVmVydGljYWxBbGlnbm1lbnQiOjAsIlNtYXJ0Rm9yZWdyb3VuZCI6bnVsbCwiQmFja2dyb3VuZEZpbGxUeXBlIjowLCJNYXJnaW4iOnsiJHJlZiI6IjEyIn0sIlBhZGRpbmciOnsiJHJlZiI6IjEzIn0sIkJhY2tncm91bmQiOnsiJHJlZiI6IjE0In0sIklzVmlzaWJsZSI6dHJ1ZSwiV2lkdGgiOjAuMCwiSGVpZ2h0IjowLjAsIkJvcmRlclN0eWxlIjp7IiRpZCI6IjEwMCIsIkxpbmVDb2xvciI6bnVsbCwiTGluZVdlaWdodCI6MC4wLCJMaW5lVHlwZSI6MCwiUGFyZW50U3R5bGUiOm51bGx9LCJQYXJlbnRTdHlsZSI6bnVsbH0sIkR1cmF0aW9uU3R5bGUiOnsiJGlkIjoiMTAxIiwiRm9udFNldHRpbmdzIjp7IiRpZCI6IjEwMiIsIkZvbnRTaXplIjoxMCwiRm9udE5hbWUiOiJDYWxpYnJpIiwiSXNCb2xkIjpmYWxzZSwiSXNJdGFsaWMiOmZhbHNlLCJJc1VuZGVybGluZWQiOmZhbHNlLCJQYXJlbnRTdHlsZSI6bnVsbH0sIkF1dG9TaXplIjowLCJGb3JlZ3JvdW5kIjp7IiRyZWYiOiIxOSJ9LCJNYXhXaWR0aCI6MjAwLjAsIk1heEhlaWdodCI6IkluZmluaXR5IiwiU21hcnRGb3JlZ3JvdW5kSXNBY3RpdmUiOmZhbHNlLCJIb3Jpem9udGFsQWxpZ25tZW50IjowLCJWZXJ0aWNhbEFsaWdubWVudCI6MCwiU21hcnRGb3JlZ3JvdW5kIjpudWxsLCJCYWNrZ3JvdW5kRmlsbFR5cGUiOjAsIk1hcmdpbiI6eyIkcmVmIjoiMjEifSwiUGFkZGluZyI6eyIkcmVmIjoiMjIifSwiQmFja2dyb3VuZCI6eyIkcmVmIjoiMjMifSwiSXNWaXNpYmxlIjp0cnVlLCJXaWR0aCI6MC4wLCJIZWlnaHQiOjAuMCwiQm9yZGVyU3R5bGUiOnsiJGlkIjoiMTAzIiwiTGluZUNvbG9yIjpudWxsLCJMaW5lV2VpZ2h0IjowLjAsIkxpbmVUeXBlIjowLCJQYXJlbnRTdHlsZSI6bnVsbH0sIlBhcmVudFN0eWxlIjpudWxsfSwiSG9yaXpvbnRhbENvbm5lY3RvclN0eWxlIjp7IiRpZCI6IjEwNCIsIkxpbmVDb2xvciI6eyIkcmVmIjoiMjYifSwiTGluZVdlaWdodCI6MS4wLCJMaW5lVHlwZSI6MCwiUGFyZW50U3R5bGUiOm51bGx9LCJWZXJ0aWNhbENvbm5lY3RvclN0eWxlIjp7IiRpZCI6IjEwNSIsIkxpbmVDb2xvciI6eyIkcmVmIjoiMjkifSwiTGluZVdlaWdodCI6MC4wLCJMaW5lVHlwZSI6MCwiUGFyZW50U3R5bGUiOm51bGx9LCJNYXJnaW4iOm51bGwsIlN0YXJ0RGF0ZVBvc2l0aW9uIjozLCJFbmREYXRlUG9zaXRpb24iOjQsIkRhdGVJc1Zpc2libGUiOnRydWUsIlRpdGxlUG9zaXRpb24iOjIsIkR1cmF0aW9uUG9zaXRpb24iOjYsIlBlcmNlbnRhZ2VDb21wbGV0ZWRQb3NpdGlvbiI6NiwiU3BhY2luZyI6NSwiSXNCZWxvd1RpbWViYW5kIjp0cnVlLCJQZXJjZW50YWdlQ29tcGxldGVTaGFwZU9wYWNpdHkiOjM1LCJTaGFwZVN0eWxlIjp7IiRpZCI6IjEwNiIsIk1hcmdpbiI6eyIkcmVmIjoiMzIifSwiUGFkZGluZyI6eyIkcmVmIjoiMzMifSwiQmFja2dyb3VuZCI6eyIkaWQiOiIxMDciLCJDb2xvciI6eyIkaWQiOiIxMDgiLCJBIjoyNTUsIlIiOjkxLCJHIjoxNTUsIkIiOjIxM319LCJJc1Zpc2libGUiOnRydWUsIldpZHRoIjowLjAsIkhlaWdodCI6MTYuMCwiQm9yZGVyU3R5bGUiOnsiJGlkIjoiMTA5IiwiTGluZUNvbG9yIjp7IiRyZWYiOiIzNyJ9LCJMaW5lV2VpZ2h0IjowLjAsIkxpbmVUeXBlIjowLCJQYXJlbnRTdHlsZSI6bnVsbH0sIlBhcmVudFN0eWxlIjpudWxsfSwiVGl0bGVTdHlsZSI6eyIkaWQiOiIxMTAiLCJGb250U2V0dGluZ3MiOnsiJGlkIjoiMTExIiwiRm9udFNpemUiOjExLCJGb250TmFtZSI6IkNhbGlicmkiLCJJc0JvbGQiOnRydWUsIklzSXRhbGljIjpmYWxzZSwiSXNVbmRlcmxpbmVkIjpmYWxzZSwiUGFyZW50U3R5bGUiOm51bGx9LCJBdXRvU2l6ZSI6MCwiRm9yZWdyb3VuZCI6eyIkaWQiOiIxMTIiLCJDb2xvciI6eyIkaWQiOiIxMTMiLCJBIjoyNTUsIlIiOjAsIkciOjAsIkIiOjB9fSwiTWF4V2lkdGgiOjcyMC4wLCJNYXhIZWlnaHQiOiJJbmZpbml0eSIsIlNtYXJ0Rm9yZWdyb3VuZElzQWN0aXZlIjpmYWxzZSwiSG9yaXpvbnRhbEFsaWdubWVudCI6MSwiVmVydGljYWxBbGlnbm1lbnQiOjAsIlNtYXJ0Rm9yZWdyb3VuZCI6bnVsbCwiQmFja2dyb3VuZEZpbGxUeXBlIjowLCJNYXJnaW4iOnsiJHJlZiI6IjQzIn0sIlBhZGRpbmciOnsiJHJlZiI6IjQ0In0sIkJhY2tncm91bmQiOnsiJGlkIjoiMTE0IiwiQ29sb3IiOnsiJGlkIjoiMTE1IiwiQSI6MCwiUiI6MjU1LCJHIjoyNTUsIkIiOjI1NX19LCJJc1Zpc2libGUiOnRydWUsIldpZHRoIjowLjAsIkhlaWdodCI6MC4wLCJCb3JkZXJTdHlsZSI6eyIkaWQiOiIxMTYiLCJMaW5lQ29sb3IiOm51bGwsIkxpbmVXZWlnaHQiOjAuMCwiTGluZVR5cGUiOjAsIlBhcmVudFN0eWxlIjpudWxsfSwiUGFyZW50U3R5bGUiOm51bGx9LCJEYXRlU3R5bGUiOnsiJGlkIjoiMTE3IiwiRm9udFNldHRpbmdzIjp7IiRpZCI6IjExOCIsIkZvbnRTaXplIjoxMCwiRm9udE5hbWUiOiJDYWxpYnJpIiwiSXNCb2xkIjpmYWxzZSwiSXNJdGFsaWMiOmZhbHNlLCJJc1VuZGVybGluZWQiOmZhbHNlLCJQYXJlbnRTdHlsZSI6bnVsbH0sIkF1dG9TaXplIjowLCJGb3JlZ3JvdW5kIjp7IiRpZCI6IjExOSIsIkNvbG9yIjp7IiRpZCI6IjEyMCIsIkEiOjI1NSwiUiI6NjgsIkciOjg0LCJCIjoxMDZ9fSwiTWF4V2lkdGgiOjIwMC4wLCJNYXhIZWlnaHQiOiJJbmZpbml0eSIsIlNtYXJ0Rm9yZWdyb3VuZElzQWN0aXZlIjpmYWxzZSwiSG9yaXpvbnRhbEFsaWdubWVudCI6MSwiVmVydGljYWxBbGlnbm1lbnQiOjAsIlNtYXJ0Rm9yZWdyb3VuZCI6bnVsbCwiQmFja2dyb3VuZEZpbGxUeXBlIjowLCJNYXJnaW4iOnsiJHJlZiI6IjUyIn0sIlBhZGRpbmciOnsiJHJlZiI6IjUzIn0sIkJhY2tncm91bmQiOnsiJGlkIjoiMTIxIiwiQ29sb3IiOnsiJGlkIjoiMTIyIiwiQSI6MCwiUiI6MjU1LCJHIjoyNTUsIkIiOjI1NX19LCJJc1Zpc2libGUiOnRydWUsIldpZHRoIjowLjAsIkhlaWdodCI6MC4wLCJCb3JkZXJTdHlsZSI6eyIkaWQiOiIxMjMiLCJMaW5lQ29sb3IiOm51bGwsIkxpbmVXZWlnaHQiOjAuMCwiTGluZVR5cGUiOjAsIlBhcmVudFN0eWxlIjpudWxsfSwiUGFyZW50U3R5bGUiOm51bGx9LCJEYXRlRm9ybWF0Ijp7IiRyZWYiOiI1NyJ9LCJXZWVrTnVtYmVyaW5nIjp7IiRpZCI6IjEyNCIsIkZvcm1hdCI6MCwiSXNWaXNpYmxlIjpmYWxzZSwiTGFzdEtub3duVmlzaWJpbGl0eVN0YXRlIjpmYWxzZX0sIklzVmlzaWJsZSI6dHJ1ZSwiUGFyZW50U3R5bGUiOm51bGx9LCJJbmRleCI6MywiU21hcnREdXJhdGlvbkFjdGl2YXRlZCI6ZmFsc2UsIkRhdGVGb3JtYXQiOnsiJHJlZiI6IjU3In0sIldlZWtOdW1iZXJpbmciOnsiJGlkIjoiMTI1IiwiRm9ybWF0IjowLCJJc1Zpc2libGUiOmZhbHNlLCJMYXN0S25vd25WaXNpYmlsaXR5U3RhdGUiOmZhbHNlfSwiSWQiOiJhMGNiYTVlZC0zMDYxLTRjZGUtOWVmMC03YjA2ZWRmODc4MGMiLCJJbXBvcnRJZCI6bnVsbCwiVGl0bGUiOiJVcGRhdGUgQ2FyIiwiTm90ZSI6bnVsbCwiSHlwZXJsaW5rIjp7IiRpZCI6IjEyNiIsIkFkZHJlc3MiOiIiLCJTdWJBZGRyZXNzIjoiIn0sIklzQ2hhbmdlZCI6ZmFsc2UsIklzTmV3IjpmYWxzZX19XSwiX21pbGVzdG9uZXMiOltdLCJJZCI6IjAwMDAwMDAwLTAwMDAtMDAwMC0wMDAwLTAwMDAwMDAwMDAwMCIsIklzU2luZ2xlSXRlbVJvdyI6dHJ1ZX0seyIkaWQiOiIxMjciLCJfdGFza3MiOlt7IiRpZCI6IjEyOCIsIl9hdHRhY2hlZE1pbGVzdG9uZXMiOltdLCJUYXNrRGVmaW5pdGlvbiI6eyIkaWQiOiIxMjkiLCJHcm91cE5hbWUiOm51bGwsIlN0YXJ0RGF0ZSI6IjIwMjItMDUtMjFUMDA6MDA6MDBaIiwiRW5kRGF0ZSI6IjIwMjItMDUtMjRUMjM6NTk6MDBaIiwiUGVyY2VudGFnZUNvbXBsZXRlIjpudWxsLCJTdHlsZSI6eyIkaWQiOiIxMzAiLCJTaGFwZSI6MiwiU2hhcGVUaGlja25lc3MiOjEsIkR1cmF0aW9uRm9ybWF0IjowLCJJbmNsdWRlTm9uV29ya2luZ0RheXNJbkR1cmF0aW9uIjpmYWxzZSwiUGVyY2VudGFnZUNvbXBsZXRlU3R5bGUiOnsiJGlkIjoiMTMxIiwiRm9udFNldHRpbmdzIjp7IiRpZCI6IjEzMiIsIkZvbnRTaXplIjoxMCwiRm9udE5hbWUiOiJDYWxpYnJpIiwiSXNCb2xkIjpmYWxzZSwiSXNJdGFsaWMiOmZhbHNlLCJJc1VuZGVybGluZWQiOmZhbHNlLCJQYXJlbnRTdHlsZSI6bnVsbH0sIkF1dG9TaXplIjowLCJGb3JlZ3JvdW5kIjp7IiRyZWYiOiIxMCJ9LCJNYXhXaWR0aCI6MjAwLjAsIk1heEhlaWdodCI6IkluZmluaXR5IiwiU21hcnRGb3JlZ3JvdW5kSXNBY3RpdmUiOmZhbHNlLCJIb3Jpem9udGFsQWxpZ25tZW50IjowLCJWZXJ0aWNhbEFsaWdubWVudCI6MCwiU21hcnRGb3JlZ3JvdW5kIjpudWxsLCJCYWNrZ3JvdW5kRmlsbFR5cGUiOjAsIk1hcmdpbiI6eyIkcmVmIjoiMTIifSwiUGFkZGluZyI6eyIkcmVmIjoiMTMifSwiQmFja2dyb3VuZCI6eyIkcmVmIjoiMTQifSwiSXNWaXNpYmxlIjp0cnVlLCJXaWR0aCI6MC4wLCJIZWlnaHQiOjAuMCwiQm9yZGVyU3R5bGUiOnsiJGlkIjoiMTMzIiwiTGluZUNvbG9yIjpudWxsLCJMaW5lV2VpZ2h0IjowLjAsIkxpbmVUeXBlIjowLCJQYXJlbnRTdHlsZSI6bnVsbH0sIlBhcmVudFN0eWxlIjpudWxsfSwiRHVyYXRpb25TdHlsZSI6eyIkaWQiOiIxMzQiLCJGb250U2V0dGluZ3MiOnsiJGlkIjoiMTM1IiwiRm9udFNpemUiOjEwLCJGb250TmFtZSI6IkNhbGlicmkiLCJJc0JvbGQiOmZhbHNlLCJJc0l0YWxpYyI6ZmFsc2UsIklzVW5kZXJsaW5lZCI6ZmFsc2UsIlBhcmVudFN0eWxlIjpudWxsfSwiQXV0b1NpemUiOjAsIkZvcmVncm91bmQiOnsiJHJlZiI6IjE5In0sIk1heFdpZHRoIjoyMDAuMCwiTWF4SGVpZ2h0IjoiSW5maW5pdHkiLCJTbWFydEZvcmVncm91bmRJc0FjdGl2ZSI6ZmFsc2UsIkhvcml6b250YWxBbGlnbm1lbnQiOjAsIlZlcnRpY2FsQWxpZ25tZW50IjowLCJTbWFydEZvcmVncm91bmQiOm51bGwsIkJhY2tncm91bmRGaWxsVHlwZSI6MCwiTWFyZ2luIjp7IiRyZWYiOiIyMSJ9LCJQYWRkaW5nIjp7IiRyZWYiOiIyMiJ9LCJCYWNrZ3JvdW5kIjp7IiRyZWYiOiIyMyJ9LCJJc1Zpc2libGUiOnRydWUsIldpZHRoIjowLjAsIkhlaWdodCI6MC4wLCJCb3JkZXJTdHlsZSI6eyIkaWQiOiIxMzYiLCJMaW5lQ29sb3IiOm51bGwsIkxpbmVXZWlnaHQiOjAuMCwiTGluZVR5cGUiOjAsIlBhcmVudFN0eWxlIjpudWxsfSwiUGFyZW50U3R5bGUiOm51bGx9LCJIb3Jpem9udGFsQ29ubmVjdG9yU3R5bGUiOnsiJGlkIjoiMTM3IiwiTGluZUNvbG9yIjp7IiRyZWYiOiIyNiJ9LCJMaW5lV2VpZ2h0IjoxLjAsIkxpbmVUeXBlIjowLCJQYXJlbnRTdHlsZSI6bnVsbH0sIlZlcnRpY2FsQ29ubmVjdG9yU3R5bGUiOnsiJGlkIjoiMTM4IiwiTGluZUNvbG9yIjp7IiRyZWYiOiIyOSJ9LCJMaW5lV2VpZ2h0IjowLjAsIkxpbmVUeXBlIjowLCJQYXJlbnRTdHlsZSI6bnVsbH0sIk1hcmdpbiI6bnVsbCwiU3RhcnREYXRlUG9zaXRpb24iOjMsIkVuZERhdGVQb3NpdGlvbiI6NCwiRGF0ZUlzVmlzaWJsZSI6dHJ1ZSwiVGl0bGVQb3NpdGlvbiI6MiwiRHVyYXRpb25Qb3NpdGlvbiI6NiwiUGVyY2VudGFnZUNvbXBsZXRlZFBvc2l0aW9uIjo2LCJTcGFjaW5nIjo1LCJJc0JlbG93VGltZWJhbmQiOnRydWUsIlBlcmNlbnRhZ2VDb21wbGV0ZVNoYXBlT3BhY2l0eSI6MzUsIlNoYXBlU3R5bGUiOnsiJGlkIjoiMTM5IiwiTWFyZ2luIjp7IiRyZWYiOiIzMiJ9LCJQYWRkaW5nIjp7IiRyZWYiOiIzMyJ9LCJCYWNrZ3JvdW5kIjp7IiRpZCI6IjE0MCIsIkNvbG9yIjp7IiRpZCI6IjE0MSIsIkEiOjI1NSwiUiI6OTEsIkciOjE1NSwiQiI6MjEzfX0sIklzVmlzaWJsZSI6dHJ1ZSwiV2lkdGgiOjAuMCwiSGVpZ2h0IjoxNi4wLCJCb3JkZXJTdHlsZSI6eyIkaWQiOiIxNDIiLCJMaW5lQ29sb3IiOnsiJHJlZiI6IjM3In0sIkxpbmVXZWlnaHQiOjAuMCwiTGluZVR5cGUiOjAsIlBhcmVudFN0eWxlIjpudWxsfSwiUGFyZW50U3R5bGUiOm51bGx9LCJUaXRsZVN0eWxlIjp7IiRpZCI6IjE0MyIsIkZvbnRTZXR0aW5ncyI6eyIkaWQiOiIxNDQiLCJGb250U2l6ZSI6MTEsIkZvbnROYW1lIjoiQ2FsaWJyaSIsIklzQm9sZCI6dHJ1ZSwiSXNJdGFsaWMiOmZhbHNlLCJJc1VuZGVybGluZWQiOmZhbHNlLCJQYXJlbnRTdHlsZSI6bnVsbH0sIkF1dG9TaXplIjowLCJGb3JlZ3JvdW5kIjp7IiRpZCI6IjE0NSIsIkNvbG9yIjp7IiRpZCI6IjE0NiIsIkEiOjI1NSwiUiI6MCwiRyI6MCwiQiI6MH19LCJNYXhXaWR0aCI6NzIwLjAsIk1heEhlaWdodCI6IkluZmluaXR5IiwiU21hcnRGb3JlZ3JvdW5kSXNBY3RpdmUiOmZhbHNlLCJIb3Jpem9udGFsQWxpZ25tZW50IjoxLCJWZXJ0aWNhbEFsaWdubWVudCI6MCwiU21hcnRGb3JlZ3JvdW5kIjpudWxsLCJCYWNrZ3JvdW5kRmlsbFR5cGUiOjAsIk1hcmdpbiI6eyIkcmVmIjoiNDMifSwiUGFkZGluZyI6eyIkcmVmIjoiNDQifSwiQmFja2dyb3VuZCI6eyIkaWQiOiIxNDciLCJDb2xvciI6eyIkaWQiOiIxNDgiLCJBIjowLCJSIjoyNTUsIkciOjI1NSwiQiI6MjU1fX0sIklzVmlzaWJsZSI6dHJ1ZSwiV2lkdGgiOjAuMCwiSGVpZ2h0IjowLjAsIkJvcmRlclN0eWxlIjp7IiRpZCI6IjE0OSIsIkxpbmVDb2xvciI6bnVsbCwiTGluZVdlaWdodCI6MC4wLCJMaW5lVHlwZSI6MCwiUGFyZW50U3R5bGUiOm51bGx9LCJQYXJlbnRTdHlsZSI6bnVsbH0sIkRhdGVTdHlsZSI6eyIkaWQiOiIxNTAiLCJGb250U2V0dGluZ3MiOnsiJGlkIjoiMTUxIiwiRm9udFNpemUiOjEwLCJGb250TmFtZSI6IkNhbGlicmkiLCJJc0JvbGQiOmZhbHNlLCJJc0l0YWxpYyI6ZmFsc2UsIklzVW5kZXJsaW5lZCI6ZmFsc2UsIlBhcmVudFN0eWxlIjpudWxsfSwiQXV0b1NpemUiOjAsIkZvcmVncm91bmQiOnsiJGlkIjoiMTUyIiwiQ29sb3IiOnsiJGlkIjoiMTUzIiwiQSI6MjU1LCJSIjo2OCwiRyI6ODQsIkIiOjEwNn19LCJNYXhXaWR0aCI6MjAwLjAsIk1heEhlaWdodCI6IkluZmluaXR5IiwiU21hcnRGb3JlZ3JvdW5kSXNBY3RpdmUiOmZhbHNlLCJIb3Jpem9udGFsQWxpZ25tZW50IjoxLCJWZXJ0aWNhbEFsaWdubWVudCI6MCwiU21hcnRGb3JlZ3JvdW5kIjpudWxsLCJCYWNrZ3JvdW5kRmlsbFR5cGUiOjAsIk1hcmdpbiI6eyIkcmVmIjoiNTIifSwiUGFkZGluZyI6eyIkcmVmIjoiNTMifSwiQmFja2dyb3VuZCI6eyIkaWQiOiIxNTQiLCJDb2xvciI6eyIkaWQiOiIxNTUiLCJBIjowLCJSIjoyNTUsIkciOjI1NSwiQiI6MjU1fX0sIklzVmlzaWJsZSI6dHJ1ZSwiV2lkdGgiOjAuMCwiSGVpZ2h0IjowLjAsIkJvcmRlclN0eWxlIjp7IiRpZCI6IjE1NiIsIkxpbmVDb2xvciI6bnVsbCwiTGluZVdlaWdodCI6MC4wLCJMaW5lVHlwZSI6MCwiUGFyZW50U3R5bGUiOm51bGx9LCJQYXJlbnRTdHlsZSI6bnVsbH0sIkRhdGVGb3JtYXQiOnsiJHJlZiI6IjU3In0sIldlZWtOdW1iZXJpbmciOnsiJGlkIjoiMTU3IiwiRm9ybWF0IjowLCJJc1Zpc2libGUiOmZhbHNlLCJMYXN0S25vd25WaXNpYmlsaXR5U3RhdGUiOmZhbHNlfSwiSXNWaXNpYmxlIjp0cnVlLCJQYXJlbnRTdHlsZSI6bnVsbH0sIkluZGV4Ijo0LCJTbWFydER1cmF0aW9uQWN0aXZhdGVkIjpmYWxzZSwiRGF0ZUZvcm1hdCI6eyIkcmVmIjoiNTcifSwiV2Vla051bWJlcmluZyI6eyIkaWQiOiIxNTgiLCJGb3JtYXQiOjAsIklzVmlzaWJsZSI6ZmFsc2UsIkxhc3RLbm93blZpc2liaWxpdHlTdGF0ZSI6ZmFsc2V9LCJJZCI6IjY4MTE2Yjg0LTU4YmMtNGYwYi1hZjhkLTYyYzhlYWMwOGFhYyIsIkltcG9ydElkIjpudWxsLCJUaXRsZSI6IkFkZCBDYXIiLCJOb3RlIjpudWxsLCJIeXBlcmxpbmsiOnsiJGlkIjoiMTU5IiwiQWRkcmVzcyI6IiIsIlN1YkFkZHJlc3MiOiIifSwiSXNDaGFuZ2VkIjpmYWxzZSwiSXNOZXciOmZhbHNlfX1dLCJfbWlsZXN0b25lcyI6W10sIklkIjoiMDAwMDAwMDAtMDAwMC0wMDAwLTAwMDAtMDAwMDAwMDAwMDAwIiwiSXNTaW5nbGVJdGVtUm93Ijp0cnVlfSx7IiRpZCI6IjE2MCIsIl90YXNrcyI6W3siJGlkIjoiMTYxIiwiX2F0dGFjaGVkTWlsZXN0b25lcyI6W10sIlRhc2tEZWZpbml0aW9uIjp7IiRpZCI6IjE2MiIsIkdyb3VwTmFtZSI6bnVsbCwiU3RhcnREYXRlIjoiMjAyMi0wNS0yMVQwMDowMDowMFoiLCJFbmREYXRlIjoiMjAyMi0wNS0yNFQyMzo1OTowMFoiLCJQZXJjZW50YWdlQ29tcGxldGUiOm51bGwsIlN0eWxlIjp7IiRpZCI6IjE2MyIsIlNoYXBlIjoyLCJTaGFwZVRoaWNrbmVzcyI6MSwiRHVyYXRpb25Gb3JtYXQiOjAsIkluY2x1ZGVOb25Xb3JraW5nRGF5c0luRHVyYXRpb24iOmZhbHNlLCJQZXJjZW50YWdlQ29tcGxldGVTdHlsZSI6eyIkaWQiOiIxNjQiLCJGb250U2V0dGluZ3MiOnsiJGlkIjoiMTY1IiwiRm9udFNpemUiOjEwLCJGb250TmFtZSI6IkNhbGlicmkiLCJJc0JvbGQiOmZhbHNlLCJJc0l0YWxpYyI6ZmFsc2UsIklzVW5kZXJsaW5lZCI6ZmFsc2UsIlBhcmVudFN0eWxlIjpudWxsfSwiQXV0b1NpemUiOjAsIkZvcmVncm91bmQiOnsiJHJlZiI6IjEwIn0sIk1heFdpZHRoIjoyMDAuMCwiTWF4SGVpZ2h0IjoiSW5maW5pdHkiLCJTbWFydEZvcmVncm91bmRJc0FjdGl2ZSI6ZmFsc2UsIkhvcml6b250YWxBbGlnbm1lbnQiOjAsIlZlcnRpY2FsQWxpZ25tZW50IjowLCJTbWFydEZvcmVncm91bmQiOm51bGwsIkJhY2tncm91bmRGaWxsVHlwZSI6MCwiTWFyZ2luIjp7IiRyZWYiOiIxMiJ9LCJQYWRkaW5nIjp7IiRyZWYiOiIxMyJ9LCJCYWNrZ3JvdW5kIjp7IiRyZWYiOiIxNCJ9LCJJc1Zpc2libGUiOnRydWUsIldpZHRoIjowLjAsIkhlaWdodCI6MC4wLCJCb3JkZXJTdHlsZSI6eyIkaWQiOiIxNjYiLCJMaW5lQ29sb3IiOm51bGwsIkxpbmVXZWlnaHQiOjAuMCwiTGluZVR5cGUiOjAsIlBhcmVudFN0eWxlIjpudWxsfSwiUGFyZW50U3R5bGUiOm51bGx9LCJEdXJhdGlvblN0eWxlIjp7IiRpZCI6IjE2NyIsIkZvbnRTZXR0aW5ncyI6eyIkaWQiOiIxNjgiLCJGb250U2l6ZSI6MTAsIkZvbnROYW1lIjoiQ2FsaWJyaSIsIklzQm9sZCI6ZmFsc2UsIklzSXRhbGljIjpmYWxzZSwiSXNVbmRlcmxpbmVkIjpmYWxzZSwiUGFyZW50U3R5bGUiOm51bGx9LCJBdXRvU2l6ZSI6MCwiRm9yZWdyb3VuZCI6eyIkcmVmIjoiMTkifSwiTWF4V2lkdGgiOjIwMC4wLCJNYXhIZWlnaHQiOiJJbmZpbml0eSIsIlNtYXJ0Rm9yZWdyb3VuZElzQWN0aXZlIjpmYWxzZSwiSG9yaXpvbnRhbEFsaWdubWVudCI6MCwiVmVydGljYWxBbGlnbm1lbnQiOjAsIlNtYXJ0Rm9yZWdyb3VuZCI6bnVsbCwiQmFja2dyb3VuZEZpbGxUeXBlIjowLCJNYXJnaW4iOnsiJHJlZiI6IjIxIn0sIlBhZGRpbmciOnsiJHJlZiI6IjIyIn0sIkJhY2tncm91bmQiOnsiJHJlZiI6IjIzIn0sIklzVmlzaWJsZSI6dHJ1ZSwiV2lkdGgiOjAuMCwiSGVpZ2h0IjowLjAsIkJvcmRlclN0eWxlIjp7IiRpZCI6IjE2OSIsIkxpbmVDb2xvciI6bnVsbCwiTGluZVdlaWdodCI6MC4wLCJMaW5lVHlwZSI6MCwiUGFyZW50U3R5bGUiOm51bGx9LCJQYXJlbnRTdHlsZSI6bnVsbH0sIkhvcml6b250YWxDb25uZWN0b3JTdHlsZSI6eyIkaWQiOiIxNzAiLCJMaW5lQ29sb3IiOnsiJHJlZiI6IjI2In0sIkxpbmVXZWlnaHQiOjEuMCwiTGluZVR5cGUiOjAsIlBhcmVudFN0eWxlIjpudWxsfSwiVmVydGljYWxDb25uZWN0b3JTdHlsZSI6eyIkaWQiOiIxNzEiLCJMaW5lQ29sb3IiOnsiJHJlZiI6IjI5In0sIkxpbmVXZWlnaHQiOjAuMCwiTGluZVR5cGUiOjAsIlBhcmVudFN0eWxlIjpudWxsfSwiTWFyZ2luIjpudWxsLCJTdGFydERhdGVQb3NpdGlvbiI6MywiRW5kRGF0ZVBvc2l0aW9uIjo0LCJEYXRlSXNWaXNpYmxlIjp0cnVlLCJUaXRsZVBvc2l0aW9uIjoyLCJEdXJhdGlvblBvc2l0aW9uIjo2LCJQZXJjZW50YWdlQ29tcGxldGVkUG9zaXRpb24iOjYsIlNwYWNpbmciOjUsIklzQmVsb3dUaW1lYmFuZCI6dHJ1ZSwiUGVyY2VudGFnZUNvbXBsZXRlU2hhcGVPcGFjaXR5IjozNSwiU2hhcGVTdHlsZSI6eyIkaWQiOiIxNzIiLCJNYXJnaW4iOnsiJHJlZiI6IjMyIn0sIlBhZGRpbmciOnsiJHJlZiI6IjMzIn0sIkJhY2tncm91bmQiOnsiJGlkIjoiMTczIiwiQ29sb3IiOnsiJGlkIjoiMTc0IiwiQSI6MjU1LCJSIjo5MSwiRyI6MTU1LCJCIjoyMTN9fSwiSXNWaXNpYmxlIjp0cnVlLCJXaWR0aCI6MC4wLCJIZWlnaHQiOjE2LjAsIkJvcmRlclN0eWxlIjp7IiRpZCI6IjE3NSIsIkxpbmVDb2xvciI6eyIkcmVmIjoiMzcifSwiTGluZVdlaWdodCI6MC4wLCJMaW5lVHlwZSI6MCwiUGFyZW50U3R5bGUiOm51bGx9LCJQYXJlbnRTdHlsZSI6bnVsbH0sIlRpdGxlU3R5bGUiOnsiJGlkIjoiMTc2IiwiRm9udFNldHRpbmdzIjp7IiRpZCI6IjE3NyIsIkZvbnRTaXplIjoxMSwiRm9udE5hbWUiOiJDYWxpYnJpIiwiSXNCb2xkIjp0cnVlLCJJc0l0YWxpYyI6ZmFsc2UsIklzVW5kZXJsaW5lZCI6ZmFsc2UsIlBhcmVudFN0eWxlIjpudWxsfSwiQXV0b1NpemUiOjAsIkZvcmVncm91bmQiOnsiJGlkIjoiMTc4IiwiQ29sb3IiOnsiJGlkIjoiMTc5IiwiQSI6MjU1LCJSIjowLCJHIjowLCJCIjowfX0sIk1heFdpZHRoIjo3MjAuMCwiTWF4SGVpZ2h0IjoiSW5maW5pdHkiLCJTbWFydEZvcmVncm91bmRJc0FjdGl2ZSI6ZmFsc2UsIkhvcml6b250YWxBbGlnbm1lbnQiOjEsIlZlcnRpY2FsQWxpZ25tZW50IjowLCJTbWFydEZvcmVncm91bmQiOm51bGwsIkJhY2tncm91bmRGaWxsVHlwZSI6MCwiTWFyZ2luIjp7IiRyZWYiOiI0MyJ9LCJQYWRkaW5nIjp7IiRyZWYiOiI0NCJ9LCJCYWNrZ3JvdW5kIjp7IiRpZCI6IjE4MCIsIkNvbG9yIjp7IiRpZCI6IjE4MSIsIkEiOjAsIlIiOjI1NSwiRyI6MjU1LCJCIjoyNTV9fSwiSXNWaXNpYmxlIjp0cnVlLCJXaWR0aCI6MC4wLCJIZWlnaHQiOjAuMCwiQm9yZGVyU3R5bGUiOnsiJGlkIjoiMTgyIiwiTGluZUNvbG9yIjpudWxsLCJMaW5lV2VpZ2h0IjowLjAsIkxpbmVUeXBlIjowLCJQYXJlbnRTdHlsZSI6bnVsbH0sIlBhcmVudFN0eWxlIjpudWxsfSwiRGF0ZVN0eWxlIjp7IiRpZCI6IjE4MyIsIkZvbnRTZXR0aW5ncyI6eyIkaWQiOiIxODQiLCJGb250U2l6ZSI6MTAsIkZvbnROYW1lIjoiQ2FsaWJyaSIsIklzQm9sZCI6ZmFsc2UsIklzSXRhbGljIjpmYWxzZSwiSXNVbmRlcmxpbmVkIjpmYWxzZSwiUGFyZW50U3R5bGUiOm51bGx9LCJBdXRvU2l6ZSI6MCwiRm9yZWdyb3VuZCI6eyIkaWQiOiIxODUiLCJDb2xvciI6eyIkaWQiOiIxODYiLCJBIjoyNTUsIlIiOjY4LCJHIjo4NCwiQiI6MTA2fX0sIk1heFdpZHRoIjoyMDAuMCwiTWF4SGVpZ2h0IjoiSW5maW5pdHkiLCJTbWFydEZvcmVncm91bmRJc0FjdGl2ZSI6ZmFsc2UsIkhvcml6b250YWxBbGlnbm1lbnQiOjEsIlZlcnRpY2FsQWxpZ25tZW50IjowLCJTbWFydEZvcmVncm91bmQiOm51bGwsIkJhY2tncm91bmRGaWxsVHlwZSI6MCwiTWFyZ2luIjp7IiRyZWYiOiI1MiJ9LCJQYWRkaW5nIjp7IiRyZWYiOiI1MyJ9LCJCYWNrZ3JvdW5kIjp7IiRpZCI6IjE4NyIsIkNvbG9yIjp7IiRpZCI6IjE4OCIsIkEiOjAsIlIiOjI1NSwiRyI6MjU1LCJCIjoyNTV9fSwiSXNWaXNpYmxlIjp0cnVlLCJXaWR0aCI6MC4wLCJIZWlnaHQiOjAuMCwiQm9yZGVyU3R5bGUiOnsiJGlkIjoiMTg5IiwiTGluZUNvbG9yIjpudWxsLCJMaW5lV2VpZ2h0IjowLjAsIkxpbmVUeXBlIjowLCJQYXJlbnRTdHlsZSI6bnVsbH0sIlBhcmVudFN0eWxlIjpudWxsfSwiRGF0ZUZvcm1hdCI6eyIkcmVmIjoiNTcifSwiV2Vla051bWJlcmluZyI6eyIkaWQiOiIxOTAiLCJGb3JtYXQiOjAsIklzVmlzaWJsZSI6ZmFsc2UsIkxhc3RLbm93blZpc2liaWxpdHlTdGF0ZSI6ZmFsc2V9LCJJc1Zpc2libGUiOnRydWUsIlBhcmVudFN0eWxlIjpudWxsfSwiSW5kZXgiOjUsIlNtYXJ0RHVyYXRpb25BY3RpdmF0ZWQiOmZhbHNlLCJEYXRlRm9ybWF0Ijp7IiRyZWYiOiI1NyJ9LCJXZWVrTnVtYmVyaW5nIjp7IiRpZCI6IjE5MSIsIkZvcm1hdCI6MCwiSXNWaXNpYmxlIjpmYWxzZSwiTGFzdEtub3duVmlzaWJpbGl0eVN0YXRlIjpmYWxzZX0sIklkIjoiNmNiYTkyMGEtODM0Ny00NjM5LTlkODctNTc5OWE2ZWRlN2M2IiwiSW1wb3J0SWQiOm51bGwsIlRpdGxlIjoiVXNlciBIb21lIFBhZ2UiLCJOb3RlIjpudWxsLCJIeXBlcmxpbmsiOnsiJGlkIjoiMTkyIiwiQWRkcmVzcyI6IiIsIlN1YkFkZHJlc3MiOiIifSwiSXNDaGFuZ2VkIjpmYWxzZSwiSXNOZXciOmZhbHNlfX1dLCJfbWlsZXN0b25lcyI6W10sIklkIjoiMDAwMDAwMDAtMDAwMC0wMDAwLTAwMDAtMDAwMDAwMDAwMDAwIiwiSXNTaW5nbGVJdGVtUm93Ijp0cnVlfSx7IiRpZCI6IjE5MyIsIl90YXNrcyI6W3siJGlkIjoiMTk0IiwiX2F0dGFjaGVkTWlsZXN0b25lcyI6W10sIlRhc2tEZWZpbml0aW9uIjp7IiRpZCI6IjE5NSIsIkdyb3VwTmFtZSI6bnVsbCwiU3RhcnREYXRlIjoiMjAyMi0wNS0yMVQwMDowMDowMFoiLCJFbmREYXRlIjoiMjAyMi0wNS0yNFQyMzo1OTowMFoiLCJQZXJjZW50YWdlQ29tcGxldGUiOm51bGwsIlN0eWxlIjp7IiRpZCI6IjE5NiIsIlNoYXBlIjoyLCJTaGFwZVRoaWNrbmVzcyI6MSwiRHVyYXRpb25Gb3JtYXQiOjAsIkluY2x1ZGVOb25Xb3JraW5nRGF5c0luRHVyYXRpb24iOmZhbHNlLCJQZXJjZW50YWdlQ29tcGxldGVTdHlsZSI6eyIkaWQiOiIxOTciLCJGb250U2V0dGluZ3MiOnsiJGlkIjoiMTk4IiwiRm9udFNpemUiOjEwLCJGb250TmFtZSI6IkNhbGlicmkiLCJJc0JvbGQiOmZhbHNlLCJJc0l0YWxpYyI6ZmFsc2UsIklzVW5kZXJsaW5lZCI6ZmFsc2UsIlBhcmVudFN0eWxlIjpudWxsfSwiQXV0b1NpemUiOjAsIkZvcmVncm91bmQiOnsiJHJlZiI6IjEwIn0sIk1heFdpZHRoIjoyMDAuMCwiTWF4SGVpZ2h0IjoiSW5maW5pdHkiLCJTbWFydEZvcmVncm91bmRJc0FjdGl2ZSI6ZmFsc2UsIkhvcml6b250YWxBbGlnbm1lbnQiOjAsIlZlcnRpY2FsQWxpZ25tZW50IjowLCJTbWFydEZvcmVncm91bmQiOm51bGwsIkJhY2tncm91bmRGaWxsVHlwZSI6MCwiTWFyZ2luIjp7IiRyZWYiOiIxMiJ9LCJQYWRkaW5nIjp7IiRyZWYiOiIxMyJ9LCJCYWNrZ3JvdW5kIjp7IiRyZWYiOiIxNCJ9LCJJc1Zpc2libGUiOnRydWUsIldpZHRoIjowLjAsIkhlaWdodCI6MC4wLCJCb3JkZXJTdHlsZSI6eyIkaWQiOiIxOTkiLCJMaW5lQ29sb3IiOm51bGwsIkxpbmVXZWlnaHQiOjAuMCwiTGluZVR5cGUiOjAsIlBhcmVudFN0eWxlIjpudWxsfSwiUGFyZW50U3R5bGUiOm51bGx9LCJEdXJhdGlvblN0eWxlIjp7IiRpZCI6IjIwMCIsIkZvbnRTZXR0aW5ncyI6eyIkaWQiOiIyMDEiLCJGb250U2l6ZSI6MTAsIkZvbnROYW1lIjoiQ2FsaWJyaSIsIklzQm9sZCI6ZmFsc2UsIklzSXRhbGljIjpmYWxzZSwiSXNVbmRlcmxpbmVkIjpmYWxzZSwiUGFyZW50U3R5bGUiOm51bGx9LCJBdXRvU2l6ZSI6MCwiRm9yZWdyb3VuZCI6eyIkcmVmIjoiMTkifSwiTWF4V2lkdGgiOjIwMC4wLCJNYXhIZWlnaHQiOiJJbmZpbml0eSIsIlNtYXJ0Rm9yZWdyb3VuZElzQWN0aXZlIjpmYWxzZSwiSG9yaXpvbnRhbEFsaWdubWVudCI6MCwiVmVydGljYWxBbGlnbm1lbnQiOjAsIlNtYXJ0Rm9yZWdyb3VuZCI6bnVsbCwiQmFja2dyb3VuZEZpbGxUeXBlIjowLCJNYXJnaW4iOnsiJHJlZiI6IjIxIn0sIlBhZGRpbmciOnsiJHJlZiI6IjIyIn0sIkJhY2tncm91bmQiOnsiJHJlZiI6IjIzIn0sIklzVmlzaWJsZSI6dHJ1ZSwiV2lkdGgiOjAuMCwiSGVpZ2h0IjowLjAsIkJvcmRlclN0eWxlIjp7IiRpZCI6IjIwMiIsIkxpbmVDb2xvciI6bnVsbCwiTGluZVdlaWdodCI6MC4wLCJMaW5lVHlwZSI6MCwiUGFyZW50U3R5bGUiOm51bGx9LCJQYXJlbnRTdHlsZSI6bnVsbH0sIkhvcml6b250YWxDb25uZWN0b3JTdHlsZSI6eyIkaWQiOiIyMDMiLCJMaW5lQ29sb3IiOnsiJHJlZiI6IjI2In0sIkxpbmVXZWlnaHQiOjEuMCwiTGluZVR5cGUiOjAsIlBhcmVudFN0eWxlIjpudWxsfSwiVmVydGljYWxDb25uZWN0b3JTdHlsZSI6eyIkaWQiOiIyMDQiLCJMaW5lQ29sb3IiOnsiJHJlZiI6IjI5In0sIkxpbmVXZWlnaHQiOjAuMCwiTGluZVR5cGUiOjAsIlBhcmVudFN0eWxlIjpudWxsfSwiTWFyZ2luIjpudWxsLCJTdGFydERhdGVQb3NpdGlvbiI6MywiRW5kRGF0ZVBvc2l0aW9uIjo0LCJEYXRlSXNWaXNpYmxlIjp0cnVlLCJUaXRsZVBvc2l0aW9uIjoyLCJEdXJhdGlvblBvc2l0aW9uIjo2LCJQZXJjZW50YWdlQ29tcGxldGVkUG9zaXRpb24iOjYsIlNwYWNpbmciOjUsIklzQmVsb3dUaW1lYmFuZCI6dHJ1ZSwiUGVyY2VudGFnZUNvbXBsZXRlU2hhcGVPcGFjaXR5IjozNSwiU2hhcGVTdHlsZSI6eyIkaWQiOiIyMDUiLCJNYXJnaW4iOnsiJHJlZiI6IjMyIn0sIlBhZGRpbmciOnsiJHJlZiI6IjMzIn0sIkJhY2tncm91bmQiOnsiJGlkIjoiMjA2IiwiQ29sb3IiOnsiJGlkIjoiMjA3IiwiQSI6MjU1LCJSIjo5MSwiRyI6MTU1LCJCIjoyMTN9fSwiSXNWaXNpYmxlIjp0cnVlLCJXaWR0aCI6MC4wLCJIZWlnaHQiOjE2LjAsIkJvcmRlclN0eWxlIjp7IiRpZCI6IjIwOCIsIkxpbmVDb2xvciI6eyIkcmVmIjoiMzcifSwiTGluZVdlaWdodCI6MC4wLCJMaW5lVHlwZSI6MCwiUGFyZW50U3R5bGUiOm51bGx9LCJQYXJlbnRTdHlsZSI6bnVsbH0sIlRpdGxlU3R5bGUiOnsiJGlkIjoiMjA5IiwiRm9udFNldHRpbmdzIjp7IiRpZCI6IjIxMCIsIkZvbnRTaXplIjoxMSwiRm9udE5hbWUiOiJDYWxpYnJpIiwiSXNCb2xkIjp0cnVlLCJJc0l0YWxpYyI6ZmFsc2UsIklzVW5kZXJsaW5lZCI6ZmFsc2UsIlBhcmVudFN0eWxlIjpudWxsfSwiQXV0b1NpemUiOjAsIkZvcmVncm91bmQiOnsiJGlkIjoiMjExIiwiQ29sb3IiOnsiJGlkIjoiMjEyIiwiQSI6MjU1LCJSIjowLCJHIjowLCJCIjowfX0sIk1heFdpZHRoIjo3MjAuMCwiTWF4SGVpZ2h0IjoiSW5maW5pdHkiLCJTbWFydEZvcmVncm91bmRJc0FjdGl2ZSI6ZmFsc2UsIkhvcml6b250YWxBbGlnbm1lbnQiOjEsIlZlcnRpY2FsQWxpZ25tZW50IjowLCJTbWFydEZvcmVncm91bmQiOm51bGwsIkJhY2tncm91bmRGaWxsVHlwZSI6MCwiTWFyZ2luIjp7IiRyZWYiOiI0MyJ9LCJQYWRkaW5nIjp7IiRyZWYiOiI0NCJ9LCJCYWNrZ3JvdW5kIjp7IiRpZCI6IjIxMyIsIkNvbG9yIjp7IiRpZCI6IjIxNCIsIkEiOjAsIlIiOjI1NSwiRyI6MjU1LCJCIjoyNTV9fSwiSXNWaXNpYmxlIjp0cnVlLCJXaWR0aCI6MC4wLCJIZWlnaHQiOjAuMCwiQm9yZGVyU3R5bGUiOnsiJGlkIjoiMjE1IiwiTGluZUNvbG9yIjpudWxsLCJMaW5lV2VpZ2h0IjowLjAsIkxpbmVUeXBlIjowLCJQYXJlbnRTdHlsZSI6bnVsbH0sIlBhcmVudFN0eWxlIjpudWxsfSwiRGF0ZVN0eWxlIjp7IiRpZCI6IjIxNiIsIkZvbnRTZXR0aW5ncyI6eyIkaWQiOiIyMTciLCJGb250U2l6ZSI6MTAsIkZvbnROYW1lIjoiQ2FsaWJyaSIsIklzQm9sZCI6ZmFsc2UsIklzSXRhbGljIjpmYWxzZSwiSXNVbmRlcmxpbmVkIjpmYWxzZSwiUGFyZW50U3R5bGUiOm51bGx9LCJBdXRvU2l6ZSI6MCwiRm9yZWdyb3VuZCI6eyIkaWQiOiIyMTgiLCJDb2xvciI6eyIkaWQiOiIyMTkiLCJBIjoyNTUsIlIiOjY4LCJHIjo4NCwiQiI6MTA2fX0sIk1heFdpZHRoIjoyMDAuMCwiTWF4SGVpZ2h0IjoiSW5maW5pdHkiLCJTbWFydEZvcmVncm91bmRJc0FjdGl2ZSI6ZmFsc2UsIkhvcml6b250YWxBbGlnbm1lbnQiOjEsIlZlcnRpY2FsQWxpZ25tZW50IjowLCJTbWFydEZvcmVncm91bmQiOm51bGwsIkJhY2tncm91bmRGaWxsVHlwZSI6MCwiTWFyZ2luIjp7IiRyZWYiOiI1MiJ9LCJQYWRkaW5nIjp7IiRyZWYiOiI1MyJ9LCJCYWNrZ3JvdW5kIjp7IiRpZCI6IjIyMCIsIkNvbG9yIjp7IiRpZCI6IjIyMSIsIkEiOjAsIlIiOjI1NSwiRyI6MjU1LCJCIjoyNTV9fSwiSXNWaXNpYmxlIjp0cnVlLCJXaWR0aCI6MC4wLCJIZWlnaHQiOjAuMCwiQm9yZGVyU3R5bGUiOnsiJGlkIjoiMjIyIiwiTGluZUNvbG9yIjpudWxsLCJMaW5lV2VpZ2h0IjowLjAsIkxpbmVUeXBlIjowLCJQYXJlbnRTdHlsZSI6bnVsbH0sIlBhcmVudFN0eWxlIjpudWxsfSwiRGF0ZUZvcm1hdCI6eyIkcmVmIjoiNTcifSwiV2Vla051bWJlcmluZyI6eyIkaWQiOiIyMjMiLCJGb3JtYXQiOjAsIklzVmlzaWJsZSI6ZmFsc2UsIkxhc3RLbm93blZpc2liaWxpdHlTdGF0ZSI6ZmFsc2V9LCJJc1Zpc2libGUiOnRydWUsIlBhcmVudFN0eWxlIjpudWxsfSwiSW5kZXgiOjYsIlNtYXJ0RHVyYXRpb25BY3RpdmF0ZWQiOmZhbHNlLCJEYXRlRm9ybWF0Ijp7IiRyZWYiOiI1NyJ9LCJXZWVrTnVtYmVyaW5nIjp7IiRpZCI6IjIyNCIsIkZvcm1hdCI6MCwiSXNWaXNpYmxlIjpmYWxzZSwiTGFzdEtub3duVmlzaWJpbGl0eVN0YXRlIjpmYWxzZX0sIklkIjoiODYwMTYxZGUtZDQyNS00MjA4LTk3NzItMTFlYjBhNDdmMzVjIiwiSW1wb3J0SWQiOm51bGwsIlRpdGxlIjoiQWRtaW4gSG9tZSBQYWdlIiwiTm90ZSI6bnVsbCwiSHlwZXJsaW5rIjp7IiRpZCI6IjIyNSIsIkFkZHJlc3MiOiIiLCJTdWJBZGRyZXNzIjoiIn0sIklzQ2hhbmdlZCI6ZmFsc2UsIklzTmV3IjpmYWxzZX19XSwiX21pbGVzdG9uZXMiOltdLCJJZCI6IjAwMDAwMDAwLTAwMDAtMDAwMC0wMDAwLTAwMDAwMDAwMDAwMCIsIklzU2luZ2xlSXRlbVJvdyI6dHJ1ZX1dLCJJbmRleCI6MCwiSWQiOiJhOTVhZTBhOC04MWMwLTQ3ZGMtYWMzOS0zMWU2ZjcyMDE2MzciLCJIZWFkZXJUZXh0IjpudWxsLCJJc0RlZmF1bHQiOnRydWUsIlN0eWxlIjp7IiRpZCI6IjIyNiIsIkhlYWRlclN0eWxlIjp7IiRpZCI6IjIyNyIsIlRleHRTdHlsZSI6eyIkaWQiOiIyMjgiLCJGb250U2V0dGluZ3MiOnsiJGlkIjoiMjI5IiwiRm9udFNpemUiOjExLCJGb250TmFtZSI6IkNhbGlicmkiLCJJc0JvbGQiOmZhbHNlLCJJc0l0YWxpYyI6ZmFsc2UsIklzVW5kZXJsaW5lZCI6ZmFsc2UsIlBhcmVudFN0eWxlIjpudWxsfSwiQXV0b1NpemUiOjIsIkZvcmVncm91bmQiOnsiJGlkIjoiMjMwIiwiQ29sb3IiOnsiJGlkIjoiMjMxIiwiQSI6MjU1LCJSIjowLCJHIjowLCJCIjowfX0sIk1heFdpZHRoIjowLjAsIk1heEhlaWdodCI6IkluZmluaXR5IiwiU21hcnRGb3JlZ3JvdW5kSXNBY3RpdmUiOmZhbHNlLCJIb3Jpem9udGFsQWxpZ25tZW50IjowLCJWZXJ0aWNhbEFsaWdubWVudCI6MCwiU21hcnRGb3JlZ3JvdW5kIjpudWxsLCJCYWNrZ3JvdW5kRmlsbFR5cGUiOjAsIk1hcmdpbiI6eyIkaWQiOiIyMzIiLCJUb3AiOjAuMCwiTGVmdCI6MC4wLCJSaWdodCI6MC4wLCJCb3R0b20iOjAuMH0sIlBhZGRpbmciOnsiJGlkIjoiMjMzIiwiVG9wIjowLjAsIkxlZnQiOjAuMCwiUmlnaHQiOjAuMCwiQm90dG9tIjowLjB9LCJCYWNrZ3JvdW5kIjpudWxsLCJJc1Zpc2libGUiOnRydWUsIldpZHRoIjowLjAsIkhlaWdodCI6MC4wLCJCb3JkZXJTdHlsZSI6bnVsbCwiUGFyZW50U3R5bGUiOm51bGx9LCJSZWN0YW5nbGVTdHlsZSI6eyIkaWQiOiIyMzQiLCJNYXJnaW4iOnsiJGlkIjoiMjM1IiwiVG9wIjowLjAsIkxlZnQiOjAuMCwiUmlnaHQiOjAuMCwiQm90dG9tIjowLjB9LCJQYWRkaW5nIjp7IiRpZCI6IjIzNiIsIlRvcCI6MC4wLCJMZWZ0IjowLjAsIlJpZ2h0IjowLjAsIkJvdHRvbSI6MC4wfSwiQmFja2dyb3VuZCI6eyIkaWQiOiIyMzciLCJDb2xvciI6eyIkaWQiOiIyMzgiLCJBIjo2MywiUiI6OTEsIkciOjE1NSwiQiI6MjEzfX0sIklzVmlzaWJsZSI6dHJ1ZSwiV2lkdGgiOjAuMCwiSGVpZ2h0IjowLjAsIkJvcmRlclN0eWxlIjp7IiRpZCI6IjIzOSIsIkxpbmVDb2xvciI6eyIkaWQiOiIyNDAiLCIkdHlwZSI6Ik5MUkUuQ29tbW9uLkRvbS5Tb2xpZENvbG9yQnJ1c2gsIE5MUkUuQ29tbW9uIiwiQ29sb3IiOnsiJGlkIjoiMjQxIiwiQSI6MjU1LCJSIjoyNTUsIkciOjAsIkIiOjB9fSwiTGluZVdlaWdodCI6MC4wLCJMaW5lVHlwZSI6MCwiUGFyZW50U3R5bGUiOm51bGx9LCJQYXJlbnRTdHlsZSI6bnVsbH0sIk1hcmdpbiI6eyIkaWQiOiIyNDIiLCJUb3AiOjAuMCwiTGVmdCI6MC4wLCJSaWdodCI6MC4wLCJCb3R0b20iOjAuMH0sIlBhZGRpbmciOnsiJGlkIjoiMjQzIiwiVG9wIjowLjAsIkxlZnQiOjAuMCwiUmlnaHQiOjAuMCwiQm90dG9tIjowLjB9LCJCYWNrZ3JvdW5kIjpudWxsLCJJc1Zpc2libGUiOnRydWUsIldpZHRoIjowLjAsIkhlaWdodCI6MC4wLCJCb3JkZXJTdHlsZSI6bnVsbCwiUGFyZW50U3R5bGUiOm51bGx9LCJCYWNrZ3JvdW5kU3R5bGUiOnsiJGlkIjoiMjQ0IiwiTWFyZ2luIjp7IiRpZCI6IjI0NSIsIlRvcCI6MC4wLCJMZWZ0IjowLjAsIlJpZ2h0IjowLjAsIkJvdHRvbSI6MC4wfSwiUGFkZGluZyI6eyIkaWQiOiIyNDYiLCJUb3AiOjAuMCwiTGVmdCI6MC4wLCJSaWdodCI6MC4wLCJCb3R0b20iOjAuMH0sIkJhY2tncm91bmQiOnsiJGlkIjoiMjQ3IiwiQ29sb3IiOnsiJGlkIjoiMjQ4IiwiQSI6NTEsIlIiOjE2NSwiRyI6MTY1LCJCIjoxNjV9fSwiSXNWaXNpYmxlIjp0cnVlLCJXaWR0aCI6MC4wLCJIZWlnaHQiOjAuMCwiQm9yZGVyU3R5bGUiOnsiJGlkIjoiMjQ5IiwiTGluZUNvbG9yIjp7IiRpZCI6IjI1MCIsIiR0eXBlIjoiTkxSRS5Db21tb24uRG9tLlNvbGlkQ29sb3JCcnVzaCwgTkxSRS5Db21tb24iLCJDb2xvciI6eyIkaWQiOiIyNTEiLCJBIjoyNTUsIlIiOjI1NSwiRyI6MCwiQiI6MH19LCJMaW5lV2VpZ2h0IjowLjAsIkxpbmVUeXBlIjowLCJQYXJlbnRTdHlsZSI6bnVsbH0sIlBhcmVudFN0eWxlIjpudWxsfSwiTWFyZ2luIjp7IiRpZCI6IjI1MiIsIlRvcCI6MC4wLCJMZWZ0IjowLjAsIlJpZ2h0IjowLjAsIkJvdHRvbSI6MC4wfSwiUGFkZGluZyI6eyIkaWQiOiIyNTMiLCJUb3AiOjAuMCwiTGVmdCI6MC4wLCJSaWdodCI6MC4wLCJCb3R0b20iOjAuMH0sIklzVmlzaWJsZSI6ZmFsc2UsIldpZHRoIjowLjAsIkhlaWdodCI6MC4wLCJCb3JkZXJTdHlsZSI6bnVsbCwiUGFyZW50U3R5bGUiOm51bGx9fV0sIklkIjoiOTNiMGIwOGYtZmUwYi00NzYzLWJmNGQtZjkzOGYzOGRmNzE3IiwiSW5kZXgiOjAsIkhlYWRlclRleHQiOiJUZXN0IENhc2UgUmV2aWV3IGFuZCBCdWcgUmVwb3J0aW5nIiwiU3R5bGUiOnsiJGlkIjoiMjU0IiwiSGVhZGVyU3R5bGUiOnsiJGlkIjoiMjU1IiwiVGV4dElzVmVydGljYWwiOmZhbHNlLCJUZXh0U3R5bGUiOnsiJGlkIjoiMjU2IiwiRm9udFNldHRpbmdzIjp7IiRpZCI6IjI1NyIsIkZvbnRTaXplIjoxMiwiRm9udE5hbWUiOiJDYWxpYnJpIiwiSXNCb2xkIjpmYWxzZSwiSXNJdGFsaWMiOmZhbHNlLCJJc1VuZGVybGluZWQiOmZhbHNlLCJQYXJlbnRTdHlsZSI6bnVsbH0sIkF1dG9TaXplIjoyLCJGb3JlZ3JvdW5kIjp7IiRpZCI6IjI1OCIsIkNvbG9yIjp7IiRpZCI6IjI1OSIsIkEiOjI1NSwiUiI6MjU1LCJHIjoyNTUsIkIiOjI1NX19LCJNYXhXaWR0aCI6MTYwLjAsIk1heEhlaWdodCI6IkluZmluaXR5IiwiU21hcnRGb3JlZ3JvdW5kSXNBY3RpdmUiOmZhbHNlLCJIb3Jpem9udGFsQWxpZ25tZW50IjowLCJWZXJ0aWNhbEFsaWdubWVudCI6MCwiU21hcnRGb3JlZ3JvdW5kIjpudWxsLCJCYWNrZ3JvdW5kRmlsbFR5cGUiOjAsIk1hcmdpbiI6eyIkaWQiOiIyNjAiLCJUb3AiOjAuMCwiTGVmdCI6MC4wLCJSaWdodCI6MC4wLCJCb3R0b20iOjAuMH0sIlBhZGRpbmciOnsiJGlkIjoiMjYxIiwiVG9wIjowLjAsIkxlZnQiOjAuMCwiUmlnaHQiOjAuMCwiQm90dG9tIjowLjB9LCJCYWNrZ3JvdW5kIjpudWxsLCJJc1Zpc2libGUiOnRydWUsIldpZHRoIjowLjAsIkhlaWdodCI6MC4wLCJCb3JkZXJTdHlsZSI6bnVsbCwiUGFyZW50U3R5bGUiOm51bGx9LCJSZWN0YW5nbGVTdHlsZSI6eyIkaWQiOiIyNjIiLCJNYXJnaW4iOnsiJGlkIjoiMjYzIiwiVG9wIjowLjAsIkxlZnQiOjAuMCwiUmlnaHQiOjAuMCwiQm90dG9tIjowLjB9LCJQYWRkaW5nIjp7IiRpZCI6IjI2NCIsIlRvcCI6MC4wLCJMZWZ0IjowLjAsIlJpZ2h0IjowLjAsIkJvdHRvbSI6MC4wfSwiQmFja2dyb3VuZCI6eyIkaWQiOiIyNjUiLCJDb2xvciI6eyIkaWQiOiIyNjYiLCJBIjoyNTUsIlIiOjkxLCJHIjoxNTUsIkIiOjIxM319LCJJc1Zpc2libGUiOnRydWUsIldpZHRoIjowLjAsIkhlaWdodCI6MC4wLCJCb3JkZXJTdHlsZSI6eyIkaWQiOiIyNjciLCJMaW5lQ29sb3IiOnsiJGlkIjoiMjY4IiwiJHR5cGUiOiJOTFJFLkNvbW1vbi5Eb20uU29saWRDb2xvckJydXNoLCBOTFJFLkNvbW1vbiIsIkNvbG9yIjp7IiRpZCI6IjI2OSIsIkEiOjI1NSwiUiI6MjU1LCJHIjowLCJCIjowfX0sIkxpbmVXZWlnaHQiOjAuMCwiTGluZVR5cGUiOjAsIlBhcmVudFN0eWxlIjpudWxsfSwiUGFyZW50U3R5bGUiOm51bGx9LCJNYXJnaW4iOnsiJGlkIjoiMjcwIiwiVG9wIjowLjAsIkxlZnQiOjAuMCwiUmlnaHQiOjAuMCwiQm90dG9tIjowLjB9LCJQYWRkaW5nIjp7IiRpZCI6IjI3MSIsIlRvcCI6MC4wLCJMZWZ0IjowLjAsIlJpZ2h0IjowLjAsIkJvdHRvbSI6MC4wfSwiQmFja2dyb3VuZCI6bnVsbCwiSXNWaXNpYmxlIjp0cnVlLCJXaWR0aCI6MC4wLCJIZWlnaHQiOjAuMCwiQm9yZGVyU3R5bGUiOm51bGwsIlBhcmVudFN0eWxlIjpudWxsfSwiQmFja2dyb3VuZFN0eWxlIjp7IiRpZCI6IjI3MiIsIk1hcmdpbiI6eyIkaWQiOiIyNzMiLCJUb3AiOjAuMCwiTGVmdCI6MC4wLCJSaWdodCI6MC4wLCJCb3R0b20iOjAuMH0sIlBhZGRpbmciOnsiJGlkIjoiMjc0IiwiVG9wIjowLjAsIkxlZnQiOjAuMCwiUmlnaHQiOjAuMCwiQm90dG9tIjowLjB9LCJCYWNrZ3JvdW5kIjp7IiRpZCI6IjI3NSIsIkNvbG9yIjp7IiRpZCI6IjI3NiIsIkEiOjUxLCJSIjoxNjUsIkciOjE2NSwiQiI6MTY1fX0sIklzVmlzaWJsZSI6dHJ1ZSwiV2lkdGgiOjAuMCwiSGVpZ2h0IjowLjAsIkJvcmRlclN0eWxlIjp7IiRpZCI6IjI3NyIsIkxpbmVDb2xvciI6eyIkaWQiOiIyNzgiLCIkdHlwZSI6Ik5MUkUuQ29tbW9uLkRvbS5Tb2xpZENvbG9yQnJ1c2gsIE5MUkUuQ29tbW9uIiwiQ29sb3IiOnsiJGlkIjoiMjc5IiwiQSI6MjU1LCJSIjoyNTUsIkciOjAsIkIiOjB9fSwiTGluZVdlaWdodCI6MC4wLCJMaW5lVHlwZSI6MCwiUGFyZW50U3R5bGUiOm51bGx9LCJQYXJlbnRTdHlsZSI6bnVsbH0sIklzQWJvdmVUaW1lYmFuZCI6ZmFsc2UsIk1hcmdpbiI6eyIkaWQiOiIyODAiLCJUb3AiOjAuMCwiTGVmdCI6MC4wLCJSaWdodCI6MC4wLCJCb3R0b20iOjAuMH0sIlBhZGRpbmciOnsiJGlkIjoiMjgxIiwiVG9wIjowLjAsIkxlZnQiOjAuMCwiUmlnaHQiOjAuMCwiQm90dG9tIjowLjB9LCJJc1Zpc2libGUiOnRydWUsIldpZHRoIjowLjAsIkhlaWdodCI6MC4wLCJCb3JkZXJTdHlsZSI6eyIkaWQiOiIyODIiLCJMaW5lQ29sb3IiOm51bGwsIkxpbmVXZWlnaHQiOjAuMCwiTGluZVR5cGUiOjAsIlBhcmVudFN0eWxlIjpudWxsfSwiUGFyZW50U3R5bGUiOm51bGx9fSx7IiRpZCI6IjI4MyIsIl9hY3Rpdml0aWVzIjpbeyIkaWQiOiIyODQiLCJfcm93cyI6W3siJGlkIjoiMjg1IiwiX3Rhc2tzIjpbeyIkaWQiOiIyODYiLCJfYXR0YWNoZWRNaWxlc3RvbmVzIjpbXSwiVGFza0RlZmluaXRpb24iOnsiJGlkIjoiMjg3IiwiR3JvdXBOYW1lIjpudWxsLCJTdGFydERhdGUiOiIyMDIyLTA1LTI0VDAwOjAwOjAwWiIsIkVuZERhdGUiOiIyMDIyLTA1LTI3VDIzOjU5OjAwWiIsIlBlcmNlbnRhZ2VDb21wbGV0ZSI6bnVsbCwiU3R5bGUiOnsiJGlkIjoiMjg4IiwiU2hhcGUiOjIsIlNoYXBlVGhpY2tuZXNzIjoxLCJEdXJhdGlvbkZvcm1hdCI6MCwiSW5jbHVkZU5vbldvcmtpbmdEYXlzSW5EdXJhdGlvbiI6ZmFsc2UsIlBlcmNlbnRhZ2VDb21wbGV0ZVN0eWxlIjp7IiRpZCI6IjI4OSIsIkZvbnRTZXR0aW5ncyI6eyIkaWQiOiIyOTAiLCJGb250U2l6ZSI6MTAsIkZvbnROYW1lIjoiQ2FsaWJyaSIsIklzQm9sZCI6ZmFsc2UsIklzSXRhbGljIjpmYWxzZSwiSXNVbmRlcmxpbmVkIjpmYWxzZSwiUGFyZW50U3R5bGUiOm51bGx9LCJBdXRvU2l6ZSI6MCwiRm9yZWdyb3VuZCI6eyIkcmVmIjoiMTAifSwiTWF4V2lkdGgiOjIwMC4wLCJNYXhIZWlnaHQiOiJJbmZpbml0eSIsIlNtYXJ0Rm9yZWdyb3VuZElzQWN0aXZlIjpmYWxzZSwiSG9yaXpvbnRhbEFsaWdubWVudCI6MCwiVmVydGljYWxBbGlnbm1lbnQiOjAsIlNtYXJ0Rm9yZWdyb3VuZCI6bnVsbCwiQmFja2dyb3VuZEZpbGxUeXBlIjowLCJNYXJnaW4iOnsiJHJlZiI6IjEyIn0sIlBhZGRpbmciOnsiJHJlZiI6IjEzIn0sIkJhY2tncm91bmQiOnsiJHJlZiI6IjE0In0sIklzVmlzaWJsZSI6dHJ1ZSwiV2lkdGgiOjAuMCwiSGVpZ2h0IjowLjAsIkJvcmRlclN0eWxlIjp7IiRpZCI6IjI5MSIsIkxpbmVDb2xvciI6bnVsbCwiTGluZVdlaWdodCI6MC4wLCJMaW5lVHlwZSI6MCwiUGFyZW50U3R5bGUiOm51bGx9LCJQYXJlbnRTdHlsZSI6bnVsbH0sIkR1cmF0aW9uU3R5bGUiOnsiJGlkIjoiMjkyIiwiRm9udFNldHRpbmdzIjp7IiRpZCI6IjI5MyIsIkZvbnRTaXplIjoxMCwiRm9udE5hbWUiOiJDYWxpYnJpIiwiSXNCb2xkIjpmYWxzZSwiSXNJdGFsaWMiOmZhbHNlLCJJc1VuZGVybGluZWQiOmZhbHNlLCJQYXJlbnRTdHlsZSI6bnVsbH0sIkF1dG9TaXplIjowLCJGb3JlZ3JvdW5kIjp7IiRyZWYiOiIxOSJ9LCJNYXhXaWR0aCI6MjAwLjAsIk1heEhlaWdodCI6IkluZmluaXR5IiwiU21hcnRGb3JlZ3JvdW5kSXNBY3RpdmUiOmZhbHNlLCJIb3Jpem9udGFsQWxpZ25tZW50IjowLCJWZXJ0aWNhbEFsaWdubWVudCI6MCwiU21hcnRGb3JlZ3JvdW5kIjpudWxsLCJCYWNrZ3JvdW5kRmlsbFR5cGUiOjAsIk1hcmdpbiI6eyIkcmVmIjoiMjEifSwiUGFkZGluZyI6eyIkcmVmIjoiMjIifSwiQmFja2dyb3VuZCI6eyIkcmVmIjoiMjMifSwiSXNWaXNpYmxlIjp0cnVlLCJXaWR0aCI6MC4wLCJIZWlnaHQiOjAuMCwiQm9yZGVyU3R5bGUiOnsiJGlkIjoiMjk0IiwiTGluZUNvbG9yIjpudWxsLCJMaW5lV2VpZ2h0IjowLjAsIkxpbmVUeXBlIjowLCJQYXJlbnRTdHlsZSI6bnVsbH0sIlBhcmVudFN0eWxlIjpudWxsfSwiSG9yaXpvbnRhbENvbm5lY3RvclN0eWxlIjp7IiRpZCI6IjI5NSIsIkxpbmVDb2xvciI6eyIkcmVmIjoiMjYifSwiTGluZVdlaWdodCI6MS4wLCJMaW5lVHlwZSI6MCwiUGFyZW50U3R5bGUiOm51bGx9LCJWZXJ0aWNhbENvbm5lY3RvclN0eWxlIjp7IiRpZCI6IjI5NiIsIkxpbmVDb2xvciI6eyIkcmVmIjoiMjkifSwiTGluZVdlaWdodCI6MC4wLCJMaW5lVHlwZSI6MCwiUGFyZW50U3R5bGUiOm51bGx9LCJNYXJnaW4iOm51bGwsIlN0YXJ0RGF0ZVBvc2l0aW9uIjozLCJFbmREYXRlUG9zaXRpb24iOjQsIkRhdGVJc1Zpc2libGUiOnRydWUsIlRpdGxlUG9zaXRpb24iOjIsIkR1cmF0aW9uUG9zaXRpb24iOjYsIlBlcmNlbnRhZ2VDb21wbGV0ZWRQb3NpdGlvbiI6NiwiU3BhY2luZyI6NSwiSXNCZWxvd1RpbWViYW5kIjp0cnVlLCJQZXJjZW50YWdlQ29tcGxldGVTaGFwZU9wYWNpdHkiOjM1LCJTaGFwZVN0eWxlIjp7IiRpZCI6IjI5NyIsIk1hcmdpbiI6eyIkcmVmIjoiMzIifSwiUGFkZGluZyI6eyIkcmVmIjoiMzMifSwiQmFja2dyb3VuZCI6eyIkaWQiOiIyOTgiLCJDb2xvciI6eyIkaWQiOiIyOTkiLCJBIjoyNTUsIlIiOjkxLCJHIjoxNTUsIkIiOjIxM319LCJJc1Zpc2libGUiOnRydWUsIldpZHRoIjowLjAsIkhlaWdodCI6MTYuMCwiQm9yZGVyU3R5bGUiOnsiJGlkIjoiMzAwIiwiTGluZUNvbG9yIjp7IiRpZCI6IjMwMSIsIiR0eXBlIjoiTkxSRS5Db21tb24uRG9tLlNvbGlkQ29sb3JCcnVzaCwgTkxSRS5Db21tb24iLCJDb2xvciI6eyIkaWQiOiIzMDIiLCJBIjoyNTUsIlIiOjI1NSwiRyI6MCwiQiI6MH19LCJMaW5lV2VpZ2h0IjowLjAsIkxpbmVUeXBlIjowLCJQYXJlbnRTdHlsZSI6bnVsbH0sIlBhcmVudFN0eWxlIjpudWxsfSwiVGl0bGVTdHlsZSI6eyIkaWQiOiIzMDMiLCJGb250U2V0dGluZ3MiOnsiJGlkIjoiMzA0IiwiRm9udFNpemUiOjExLCJGb250TmFtZSI6IkNhbGlicmkiLCJJc0JvbGQiOnRydWUsIklzSXRhbGljIjpmYWxzZSwiSXNVbmRlcmxpbmVkIjpmYWxzZSwiUGFyZW50U3R5bGUiOm51bGx9LCJBdXRvU2l6ZSI6MCwiRm9yZWdyb3VuZCI6eyIkaWQiOiIzMDUiLCJDb2xvciI6eyIkaWQiOiIzMDYiLCJBIjoyNTUsIlIiOjAsIkciOjAsIkIiOjB9fSwiTWF4V2lkdGgiOjcyMC4wLCJNYXhIZWlnaHQiOiJJbmZpbml0eSIsIlNtYXJ0Rm9yZWdyb3VuZElzQWN0aXZlIjpmYWxzZSwiSG9yaXpvbnRhbEFsaWdubWVudCI6MSwiVmVydGljYWxBbGlnbm1lbnQiOjAsIlNtYXJ0Rm9yZWdyb3VuZCI6bnVsbCwiQmFja2dyb3VuZEZpbGxUeXBlIjowLCJNYXJnaW4iOnsiJHJlZiI6IjQzIn0sIlBhZGRpbmciOnsiJHJlZiI6IjQ0In0sIkJhY2tncm91bmQiOnsiJGlkIjoiMzA3IiwiQ29sb3IiOnsiJGlkIjoiMzA4IiwiQSI6MCwiUiI6MjU1LCJHIjoyNTUsIkIiOjI1NX19LCJJc1Zpc2libGUiOnRydWUsIldpZHRoIjowLjAsIkhlaWdodCI6MC4wLCJCb3JkZXJTdHlsZSI6eyIkaWQiOiIzMDkiLCJMaW5lQ29sb3IiOm51bGwsIkxpbmVXZWlnaHQiOjAuMCwiTGluZVR5cGUiOjAsIlBhcmVudFN0eWxlIjpudWxsfSwiUGFyZW50U3R5bGUiOm51bGx9LCJEYXRlU3R5bGUiOnsiJGlkIjoiMzEwIiwiRm9udFNldHRpbmdzIjp7IiRpZCI6IjMxMSIsIkZvbnRTaXplIjoxMCwiRm9udE5hbWUiOiJDYWxpYnJpIiwiSXNCb2xkIjpmYWxzZSwiSXNJdGFsaWMiOmZhbHNlLCJJc1VuZGVybGluZWQiOmZhbHNlLCJQYXJlbnRTdHlsZSI6bnVsbH0sIkF1dG9TaXplIjowLCJGb3JlZ3JvdW5kIjp7IiRpZCI6IjMxMiIsIkNvbG9yIjp7IiRpZCI6IjMxMyIsIkEiOjI1NSwiUiI6NjgsIkciOjg0LCJCIjoxMDZ9fSwiTWF4V2lkdGgiOjIwMC4wLCJNYXhIZWlnaHQiOiJJbmZpbml0eSIsIlNtYXJ0Rm9yZWdyb3VuZElzQWN0aXZlIjpmYWxzZSwiSG9yaXpvbnRhbEFsaWdubWVudCI6MSwiVmVydGljYWxBbGlnbm1lbnQiOjAsIlNtYXJ0Rm9yZWdyb3VuZCI6bnVsbCwiQmFja2dyb3VuZEZpbGxUeXBlIjowLCJNYXJnaW4iOnsiJHJlZiI6IjUyIn0sIlBhZGRpbmciOnsiJHJlZiI6IjUzIn0sIkJhY2tncm91bmQiOnsiJGlkIjoiMzE0IiwiQ29sb3IiOnsiJGlkIjoiMzE1IiwiQSI6MCwiUiI6MjU1LCJHIjoyNTUsIkIiOjI1NX19LCJJc1Zpc2libGUiOnRydWUsIldpZHRoIjowLjAsIkhlaWdodCI6MC4wLCJCb3JkZXJTdHlsZSI6eyIkaWQiOiIzMTYiLCJMaW5lQ29sb3IiOm51bGwsIkxpbmVXZWlnaHQiOjAuMCwiTGluZVR5cGUiOjAsIlBhcmVudFN0eWxlIjpudWxsfSwiUGFyZW50U3R5bGUiOm51bGx9LCJEYXRlRm9ybWF0Ijp7IiRpZCI6IjMxNyIsIkZvcm1hdFN0cmluZyI6Ik1NTSBkIiwiU2VwYXJhdG9yIjoiLyIsIlVzZUludGVybmF0aW9uYWxEYXRlRm9ybWF0IjpmYWxzZSwiRGF0ZUlzVmlzaWJsZSI6dHJ1ZSwiVGltZUlzVmlzaWJsZSI6ZmFsc2UsIkhvdXJEaWdpdHMiOjEsIkFtUG1EZXNpZ25hdG9yIjoyLCJUcmltMDBNaW51dGVzIjpmYWxzZSwiTGFzdEtub3duVmlzaWJpbGl0eVN0YXRlIjpudWxsfSwiV2Vla051bWJlcmluZyI6eyIkaWQiOiIzMTgiLCJGb3JtYXQiOjAsIklzVmlzaWJsZSI6ZmFsc2UsIkxhc3RLbm93blZpc2liaWxpdHlTdGF0ZSI6ZmFsc2V9LCJJc1Zpc2libGUiOnRydWUsIlBhcmVudFN0eWxlIjpudWxsfSwiSW5kZXgiOjgsIlNtYXJ0RHVyYXRpb25BY3RpdmF0ZWQiOmZhbHNlLCJEYXRlRm9ybWF0Ijp7IiRyZWYiOiIzMTcifSwiV2Vla051bWJlcmluZyI6eyIkaWQiOiIzMTkiLCJGb3JtYXQiOjAsIklzVmlzaWJsZSI6ZmFsc2UsIkxhc3RLbm93blZpc2liaWxpdHlTdGF0ZSI6ZmFsc2V9LCJJZCI6ImI5MGY4ZmE2LTM3YWItNGZkNy1hNTg4LWI0MTI4ODg0ODcyNSIsIkltcG9ydElkIjpudWxsLCJUaXRsZSI6IlBNUCBNb2RpZmljYXRpb24iLCJOb3RlIjpudWxsLCJIeXBlcmxpbmsiOnsiJGlkIjoiMzIwIiwiQWRkcmVzcyI6IiIsIlN1YkFkZHJlc3MiOiIifSwiSXNDaGFuZ2VkIjpmYWxzZSwiSXNOZXciOmZhbHNlfX1dLCJfbWlsZXN0b25lcyI6W10sIklkIjoiMDAwMDAwMDAtMDAwMC0wMDAwLTAwMDAtMDAwMDAwMDAwMDAwIiwiSXNTaW5nbGVJdGVtUm93Ijp0cnVlfSx7IiRpZCI6IjMyMSIsIl90YXNrcyI6W3siJGlkIjoiMzIyIiwiX2F0dGFjaGVkTWlsZXN0b25lcyI6W10sIlRhc2tEZWZpbml0aW9uIjp7IiRpZCI6IjMyMyIsIkdyb3VwTmFtZSI6bnVsbCwiU3RhcnREYXRlIjoiMjAyMi0wNS0yNVQwMDowMDowMFoiLCJFbmREYXRlIjoiMjAyMi0wNS0yNlQyMzo1OTowMFoiLCJQZXJjZW50YWdlQ29tcGxldGUiOm51bGwsIlN0eWxlIjp7IiRpZCI6IjMyNCIsIlNoYXBlIjoyLCJTaGFwZVRoaWNrbmVzcyI6MSwiRHVyYXRpb25Gb3JtYXQiOjAsIkluY2x1ZGVOb25Xb3JraW5nRGF5c0luRHVyYXRpb24iOmZhbHNlLCJQZXJjZW50YWdlQ29tcGxldGVTdHlsZSI6eyIkaWQiOiIzMjUiLCJGb250U2V0dGluZ3MiOnsiJGlkIjoiMzI2IiwiRm9udFNpemUiOjEwLCJGb250TmFtZSI6IkNhbGlicmkiLCJJc0JvbGQiOmZhbHNlLCJJc0l0YWxpYyI6ZmFsc2UsIklzVW5kZXJsaW5lZCI6ZmFsc2UsIlBhcmVudFN0eWxlIjpudWxsfSwiQXV0b1NpemUiOjAsIkZvcmVncm91bmQiOnsiJHJlZiI6IjEwIn0sIk1heFdpZHRoIjoyMDAuMCwiTWF4SGVpZ2h0IjoiSW5maW5pdHkiLCJTbWFydEZvcmVncm91bmRJc0FjdGl2ZSI6ZmFsc2UsIkhvcml6b250YWxBbGlnbm1lbnQiOjAsIlZlcnRpY2FsQWxpZ25tZW50IjowLCJTbWFydEZvcmVncm91bmQiOm51bGwsIkJhY2tncm91bmRGaWxsVHlwZSI6MCwiTWFyZ2luIjp7IiRyZWYiOiIxMiJ9LCJQYWRkaW5nIjp7IiRyZWYiOiIxMyJ9LCJCYWNrZ3JvdW5kIjp7IiRyZWYiOiIxNCJ9LCJJc1Zpc2libGUiOnRydWUsIldpZHRoIjowLjAsIkhlaWdodCI6MC4wLCJCb3JkZXJTdHlsZSI6eyIkaWQiOiIzMjciLCJMaW5lQ29sb3IiOm51bGwsIkxpbmVXZWlnaHQiOjAuMCwiTGluZVR5cGUiOjAsIlBhcmVudFN0eWxlIjpudWxsfSwiUGFyZW50U3R5bGUiOm51bGx9LCJEdXJhdGlvblN0eWxlIjp7IiRpZCI6IjMyOCIsIkZvbnRTZXR0aW5ncyI6eyIkaWQiOiIzMjkiLCJGb250U2l6ZSI6MTAsIkZvbnROYW1lIjoiQ2FsaWJyaSIsIklzQm9sZCI6ZmFsc2UsIklzSXRhbGljIjpmYWxzZSwiSXNVbmRlcmxpbmVkIjpmYWxzZSwiUGFyZW50U3R5bGUiOm51bGx9LCJBdXRvU2l6ZSI6MCwiRm9yZWdyb3VuZCI6eyIkcmVmIjoiMTkifSwiTWF4V2lkdGgiOjIwMC4wLCJNYXhIZWlnaHQiOiJJbmZpbml0eSIsIlNtYXJ0Rm9yZWdyb3VuZElzQWN0aXZlIjpmYWxzZSwiSG9yaXpvbnRhbEFsaWdubWVudCI6MCwiVmVydGljYWxBbGlnbm1lbnQiOjAsIlNtYXJ0Rm9yZWdyb3VuZCI6bnVsbCwiQmFja2dyb3VuZEZpbGxUeXBlIjowLCJNYXJnaW4iOnsiJHJlZiI6IjIxIn0sIlBhZGRpbmciOnsiJHJlZiI6IjIyIn0sIkJhY2tncm91bmQiOnsiJHJlZiI6IjIzIn0sIklzVmlzaWJsZSI6dHJ1ZSwiV2lkdGgiOjAuMCwiSGVpZ2h0IjowLjAsIkJvcmRlclN0eWxlIjp7IiRpZCI6IjMzMCIsIkxpbmVDb2xvciI6bnVsbCwiTGluZVdlaWdodCI6MC4wLCJMaW5lVHlwZSI6MCwiUGFyZW50U3R5bGUiOm51bGx9LCJQYXJlbnRTdHlsZSI6bnVsbH0sIkhvcml6b250YWxDb25uZWN0b3JTdHlsZSI6eyIkaWQiOiIzMzEiLCJMaW5lQ29sb3IiOnsiJHJlZiI6IjI2In0sIkxpbmVXZWlnaHQiOjEuMCwiTGluZVR5cGUiOjAsIlBhcmVudFN0eWxlIjpudWxsfSwiVmVydGljYWxDb25uZWN0b3JTdHlsZSI6eyIkaWQiOiIzMzIiLCJMaW5lQ29sb3IiOnsiJHJlZiI6IjI5In0sIkxpbmVXZWlnaHQiOjAuMCwiTGluZVR5cGUiOjAsIlBhcmVudFN0eWxlIjpudWxsfSwiTWFyZ2luIjpudWxsLCJTdGFydERhdGVQb3NpdGlvbiI6MywiRW5kRGF0ZVBvc2l0aW9uIjo0LCJEYXRlSXNWaXNpYmxlIjp0cnVlLCJUaXRsZVBvc2l0aW9uIjoyLCJEdXJhdGlvblBvc2l0aW9uIjo2LCJQZXJjZW50YWdlQ29tcGxldGVkUG9zaXRpb24iOjYsIlNwYWNpbmciOjUsIklzQmVsb3dUaW1lYmFuZCI6dHJ1ZSwiUGVyY2VudGFnZUNvbXBsZXRlU2hhcGVPcGFjaXR5IjozNSwiU2hhcGVTdHlsZSI6eyIkaWQiOiIzMzMiLCJNYXJnaW4iOnsiJHJlZiI6IjMyIn0sIlBhZGRpbmciOnsiJHJlZiI6IjMzIn0sIkJhY2tncm91bmQiOnsiJGlkIjoiMzM0IiwiQ29sb3IiOnsiJGlkIjoiMzM1IiwiQSI6MjU1LCJSIjo5MSwiRyI6MTU1LCJCIjoyMTN9fSwiSXNWaXNpYmxlIjp0cnVlLCJXaWR0aCI6MC4wLCJIZWlnaHQiOjE2LjAsIkJvcmRlclN0eWxlIjp7IiRpZCI6IjMzNiIsIkxpbmVDb2xvciI6eyIkcmVmIjoiMzAxIn0sIkxpbmVXZWlnaHQiOjAuMCwiTGluZVR5cGUiOjAsIlBhcmVudFN0eWxlIjpudWxsfSwiUGFyZW50U3R5bGUiOm51bGx9LCJUaXRsZVN0eWxlIjp7IiRpZCI6IjMzNyIsIkZvbnRTZXR0aW5ncyI6eyIkaWQiOiIzMzgiLCJGb250U2l6ZSI6MTEsIkZvbnROYW1lIjoiQ2FsaWJyaSIsIklzQm9sZCI6dHJ1ZSwiSXNJdGFsaWMiOmZhbHNlLCJJc1VuZGVybGluZWQiOmZhbHNlLCJQYXJlbnRTdHlsZSI6bnVsbH0sIkF1dG9TaXplIjowLCJGb3JlZ3JvdW5kIjp7IiRpZCI6IjMzOSIsIkNvbG9yIjp7IiRpZCI6IjM0MCIsIkEiOjI1NSwiUiI6MCwiRyI6MCwiQiI6MH19LCJNYXhXaWR0aCI6NzIwLjAsIk1heEhlaWdodCI6IkluZmluaXR5IiwiU21hcnRGb3JlZ3JvdW5kSXNBY3RpdmUiOmZhbHNlLCJIb3Jpem9udGFsQWxpZ25tZW50IjoxLCJWZXJ0aWNhbEFsaWdubWVudCI6MCwiU21hcnRGb3JlZ3JvdW5kIjpudWxsLCJCYWNrZ3JvdW5kRmlsbFR5cGUiOjAsIk1hcmdpbiI6eyIkcmVmIjoiNDMifSwiUGFkZGluZyI6eyIkcmVmIjoiNDQifSwiQmFja2dyb3VuZCI6eyIkaWQiOiIzNDEiLCJDb2xvciI6eyIkaWQiOiIzNDIiLCJBIjowLCJSIjoyNTUsIkciOjI1NSwiQiI6MjU1fX0sIklzVmlzaWJsZSI6dHJ1ZSwiV2lkdGgiOjAuMCwiSGVpZ2h0IjowLjAsIkJvcmRlclN0eWxlIjp7IiRpZCI6IjM0MyIsIkxpbmVDb2xvciI6bnVsbCwiTGluZVdlaWdodCI6MC4wLCJMaW5lVHlwZSI6MCwiUGFyZW50U3R5bGUiOm51bGx9LCJQYXJlbnRTdHlsZSI6bnVsbH0sIkRhdGVTdHlsZSI6eyIkaWQiOiIzNDQiLCJGb250U2V0dGluZ3MiOnsiJGlkIjoiMzQ1IiwiRm9udFNpemUiOjEwLCJGb250TmFtZSI6IkNhbGlicmkiLCJJc0JvbGQiOmZhbHNlLCJJc0l0YWxpYyI6ZmFsc2UsIklzVW5kZXJsaW5lZCI6ZmFsc2UsIlBhcmVudFN0eWxlIjpudWxsfSwiQXV0b1NpemUiOjAsIkZvcmVncm91bmQiOnsiJGlkIjoiMzQ2IiwiQ29sb3IiOnsiJGlkIjoiMzQ3IiwiQSI6MjU1LCJSIjo2OCwiRyI6ODQsIkIiOjEwNn19LCJNYXhXaWR0aCI6MjAwLjAsIk1heEhlaWdodCI6IkluZmluaXR5IiwiU21hcnRGb3JlZ3JvdW5kSXNBY3RpdmUiOmZhbHNlLCJIb3Jpem9udGFsQWxpZ25tZW50IjoxLCJWZXJ0aWNhbEFsaWdubWVudCI6MCwiU21hcnRGb3JlZ3JvdW5kIjpudWxsLCJCYWNrZ3JvdW5kRmlsbFR5cGUiOjAsIk1hcmdpbiI6eyIkcmVmIjoiNTIifSwiUGFkZGluZyI6eyIkcmVmIjoiNTMifSwiQmFja2dyb3VuZCI6eyIkaWQiOiIzNDgiLCJDb2xvciI6eyIkaWQiOiIzNDkiLCJBIjowLCJSIjoyNTUsIkciOjI1NSwiQiI6MjU1fX0sIklzVmlzaWJsZSI6dHJ1ZSwiV2lkdGgiOjAuMCwiSGVpZ2h0IjowLjAsIkJvcmRlclN0eWxlIjp7IiRpZCI6IjM1MCIsIkxpbmVDb2xvciI6bnVsbCwiTGluZVdlaWdodCI6MC4wLCJMaW5lVHlwZSI6MCwiUGFyZW50U3R5bGUiOm51bGx9LCJQYXJlbnRTdHlsZSI6bnVsbH0sIkRhdGVGb3JtYXQiOnsiJHJlZiI6IjMxNyJ9LCJXZWVrTnVtYmVyaW5nIjp7IiRpZCI6IjM1MSIsIkZvcm1hdCI6MCwiSXNWaXNpYmxlIjpmYWxzZSwiTGFzdEtub3duVmlzaWJpbGl0eVN0YXRlIjpmYWxzZX0sIklzVmlzaWJsZSI6dHJ1ZSwiUGFyZW50U3R5bGUiOm51bGx9LCJJbmRleCI6OSwiU21hcnREdXJhdGlvbkFjdGl2YXRlZCI6ZmFsc2UsIkRhdGVGb3JtYXQiOnsiJHJlZiI6IjMxNyJ9LCJXZWVrTnVtYmVyaW5nIjp7IiRpZCI6IjM1MiIsIkZvcm1hdCI6MCwiSXNWaXNpYmxlIjpmYWxzZSwiTGFzdEtub3duVmlzaWJpbGl0eVN0YXRlIjpmYWxzZX0sIklkIjoiNWI3NDcyMDItNGI1NC00ZDdkLWI2ZTQtZDcwZGUyYTJlZTUyIiwiSW1wb3J0SWQiOm51bGwsIlRpdGxlIjoiU2NvcGUgU3RhdG1lbnQgVXBkYXRlIiwiTm90ZSI6bnVsbCwiSHlwZXJsaW5rIjp7IiRpZCI6IjM1MyIsIkFkZHJlc3MiOiIiLCJTdWJBZGRyZXNzIjoiIn0sIklzQ2hhbmdlZCI6ZmFsc2UsIklzTmV3IjpmYWxzZX19XSwiX21pbGVzdG9uZXMiOltdLCJJZCI6IjAwMDAwMDAwLTAwMDAtMDAwMC0wMDAwLTAwMDAwMDAwMDAwMCIsIklzU2luZ2xlSXRlbVJvdyI6dHJ1ZX0seyIkaWQiOiIzNTQiLCJfdGFza3MiOlt7IiRpZCI6IjM1NSIsIl9hdHRhY2hlZE1pbGVzdG9uZXMiOltdLCJUYXNrRGVmaW5pdGlvbiI6eyIkaWQiOiIzNTYiLCJHcm91cE5hbWUiOm51bGwsIlN0YXJ0RGF0ZSI6IjIwMjItMDUtMjFUMDA6MDA6MDBaIiwiRW5kRGF0ZSI6IjIwMjItMDUtMjVUMjM6NTk6MDBaIiwiUGVyY2VudGFnZUNvbXBsZXRlIjpudWxsLCJTdHlsZSI6eyIkaWQiOiIzNTciLCJTaGFwZSI6MiwiU2hhcGVUaGlja25lc3MiOjEsIkR1cmF0aW9uRm9ybWF0IjowLCJJbmNsdWRlTm9uV29ya2luZ0RheXNJbkR1cmF0aW9uIjpmYWxzZSwiUGVyY2VudGFnZUNvbXBsZXRlU3R5bGUiOnsiJGlkIjoiMzU4IiwiRm9udFNldHRpbmdzIjp7IiRpZCI6IjM1OSIsIkZvbnRTaXplIjoxMCwiRm9udE5hbWUiOiJDYWxpYnJpIiwiSXNCb2xkIjpmYWxzZSwiSXNJdGFsaWMiOmZhbHNlLCJJc1VuZGVybGluZWQiOmZhbHNlLCJQYXJlbnRTdHlsZSI6bnVsbH0sIkF1dG9TaXplIjowLCJGb3JlZ3JvdW5kIjp7IiRyZWYiOiIxMCJ9LCJNYXhXaWR0aCI6MjAwLjAsIk1heEhlaWdodCI6IkluZmluaXR5IiwiU21hcnRGb3JlZ3JvdW5kSXNBY3RpdmUiOmZhbHNlLCJIb3Jpem9udGFsQWxpZ25tZW50IjowLCJWZXJ0aWNhbEFsaWdubWVudCI6MCwiU21hcnRGb3JlZ3JvdW5kIjpudWxsLCJCYWNrZ3JvdW5kRmlsbFR5cGUiOjAsIk1hcmdpbiI6eyIkcmVmIjoiMTIifSwiUGFkZGluZyI6eyIkcmVmIjoiMTMifSwiQmFja2dyb3VuZCI6eyIkcmVmIjoiMTQifSwiSXNWaXNpYmxlIjp0cnVlLCJXaWR0aCI6MC4wLCJIZWlnaHQiOjAuMCwiQm9yZGVyU3R5bGUiOnsiJGlkIjoiMzYwIiwiTGluZUNvbG9yIjpudWxsLCJMaW5lV2VpZ2h0IjowLjAsIkxpbmVUeXBlIjowLCJQYXJlbnRTdHlsZSI6bnVsbH0sIlBhcmVudFN0eWxlIjpudWxsfSwiRHVyYXRpb25TdHlsZSI6eyIkaWQiOiIzNjEiLCJGb250U2V0dGluZ3MiOnsiJGlkIjoiMzYyIiwiRm9udFNpemUiOjEwLCJGb250TmFtZSI6IkNhbGlicmkiLCJJc0JvbGQiOmZhbHNlLCJJc0l0YWxpYyI6ZmFsc2UsIklzVW5kZXJsaW5lZCI6ZmFsc2UsIlBhcmVudFN0eWxlIjpudWxsfSwiQXV0b1NpemUiOjAsIkZvcmVncm91bmQiOnsiJHJlZiI6IjE5In0sIk1heFdpZHRoIjoyMDAuMCwiTWF4SGVpZ2h0IjoiSW5maW5pdHkiLCJTbWFydEZvcmVncm91bmRJc0FjdGl2ZSI6ZmFsc2UsIkhvcml6b250YWxBbGlnbm1lbnQiOjAsIlZlcnRpY2FsQWxpZ25tZW50IjowLCJTbWFydEZvcmVncm91bmQiOm51bGwsIkJhY2tncm91bmRGaWxsVHlwZSI6MCwiTWFyZ2luIjp7IiRyZWYiOiIyMSJ9LCJQYWRkaW5nIjp7IiRyZWYiOiIyMiJ9LCJCYWNrZ3JvdW5kIjp7IiRyZWYiOiIyMyJ9LCJJc1Zpc2libGUiOnRydWUsIldpZHRoIjowLjAsIkhlaWdodCI6MC4wLCJCb3JkZXJTdHlsZSI6eyIkaWQiOiIzNjMiLCJMaW5lQ29sb3IiOm51bGwsIkxpbmVXZWlnaHQiOjAuMCwiTGluZVR5cGUiOjAsIlBhcmVudFN0eWxlIjpudWxsfSwiUGFyZW50U3R5bGUiOm51bGx9LCJIb3Jpem9udGFsQ29ubmVjdG9yU3R5bGUiOnsiJGlkIjoiMzY0IiwiTGluZUNvbG9yIjp7IiRyZWYiOiIyNiJ9LCJMaW5lV2VpZ2h0IjoxLjAsIkxpbmVUeXBlIjowLCJQYXJlbnRTdHlsZSI6bnVsbH0sIlZlcnRpY2FsQ29ubmVjdG9yU3R5bGUiOnsiJGlkIjoiMzY1IiwiTGluZUNvbG9yIjp7IiRyZWYiOiIyOSJ9LCJMaW5lV2VpZ2h0IjowLjAsIkxpbmVUeXBlIjowLCJQYXJlbnRTdHlsZSI6bnVsbH0sIk1hcmdpbiI6bnVsbCwiU3RhcnREYXRlUG9zaXRpb24iOjMsIkVuZERhdGVQb3NpdGlvbiI6NCwiRGF0ZUlzVmlzaWJsZSI6dHJ1ZSwiVGl0bGVQb3NpdGlvbiI6MiwiRHVyYXRpb25Qb3NpdGlvbiI6NiwiUGVyY2VudGFnZUNvbXBsZXRlZFBvc2l0aW9uIjo2LCJTcGFjaW5nIjo1LCJJc0JlbG93VGltZWJhbmQiOnRydWUsIlBlcmNlbnRhZ2VDb21wbGV0ZVNoYXBlT3BhY2l0eSI6MzUsIlNoYXBlU3R5bGUiOnsiJGlkIjoiMzY2IiwiTWFyZ2luIjp7IiRyZWYiOiIzMiJ9LCJQYWRkaW5nIjp7IiRyZWYiOiIzMyJ9LCJCYWNrZ3JvdW5kIjp7IiRpZCI6IjM2NyIsIkNvbG9yIjp7IiRpZCI6IjM2OCIsIkEiOjI1NSwiUiI6OTEsIkciOjE1NSwiQiI6MjEzfX0sIklzVmlzaWJsZSI6dHJ1ZSwiV2lkdGgiOjAuMCwiSGVpZ2h0IjoxNi4wLCJCb3JkZXJTdHlsZSI6eyIkaWQiOiIzNjkiLCJMaW5lQ29sb3IiOnsiJHJlZiI6IjMwMSJ9LCJMaW5lV2VpZ2h0IjowLjAsIkxpbmVUeXBlIjowLCJQYXJlbnRTdHlsZSI6bnVsbH0sIlBhcmVudFN0eWxlIjpudWxsfSwiVGl0bGVTdHlsZSI6eyIkaWQiOiIzNzAiLCJGb250U2V0dGluZ3MiOnsiJGlkIjoiMzcxIiwiRm9udFNpemUiOjExLCJGb250TmFtZSI6IkNhbGlicmkiLCJJc0JvbGQiOnRydWUsIklzSXRhbGljIjpmYWxzZSwiSXNVbmRlcmxpbmVkIjpmYWxzZSwiUGFyZW50U3R5bGUiOm51bGx9LCJBdXRvU2l6ZSI6MCwiRm9yZWdyb3VuZCI6eyIkaWQiOiIzNzIiLCJDb2xvciI6eyIkaWQiOiIzNzMiLCJBIjoyNTUsIlIiOjAsIkciOjAsIkIiOjB9fSwiTWF4V2lkdGgiOjcyMC4wLCJNYXhIZWlnaHQiOiJJbmZpbml0eSIsIlNtYXJ0Rm9yZWdyb3VuZElzQWN0aXZlIjpmYWxzZSwiSG9yaXpvbnRhbEFsaWdubWVudCI6MSwiVmVydGljYWxBbGlnbm1lbnQiOjAsIlNtYXJ0Rm9yZWdyb3VuZCI6bnVsbCwiQmFja2dyb3VuZEZpbGxUeXBlIjowLCJNYXJnaW4iOnsiJHJlZiI6IjQzIn0sIlBhZGRpbmciOnsiJHJlZiI6IjQ0In0sIkJhY2tncm91bmQiOnsiJGlkIjoiMzc0IiwiQ29sb3IiOnsiJGlkIjoiMzc1IiwiQSI6MCwiUiI6MjU1LCJHIjoyNTUsIkIiOjI1NX19LCJJc1Zpc2libGUiOnRydWUsIldpZHRoIjowLjAsIkhlaWdodCI6MC4wLCJCb3JkZXJTdHlsZSI6eyIkaWQiOiIzNzYiLCJMaW5lQ29sb3IiOm51bGwsIkxpbmVXZWlnaHQiOjAuMCwiTGluZVR5cGUiOjAsIlBhcmVudFN0eWxlIjpudWxsfSwiUGFyZW50U3R5bGUiOm51bGx9LCJEYXRlU3R5bGUiOnsiJGlkIjoiMzc3IiwiRm9udFNldHRpbmdzIjp7IiRpZCI6IjM3OCIsIkZvbnRTaXplIjoxMCwiRm9udE5hbWUiOiJDYWxpYnJpIiwiSXNCb2xkIjpmYWxzZSwiSXNJdGFsaWMiOmZhbHNlLCJJc1VuZGVybGluZWQiOmZhbHNlLCJQYXJlbnRTdHlsZSI6bnVsbH0sIkF1dG9TaXplIjowLCJGb3JlZ3JvdW5kIjp7IiRpZCI6IjM3OSIsIkNvbG9yIjp7IiRpZCI6IjM4MCIsIkEiOjI1NSwiUiI6NjgsIkciOjg0LCJCIjoxMDZ9fSwiTWF4V2lkdGgiOjIwMC4wLCJNYXhIZWlnaHQiOiJJbmZpbml0eSIsIlNtYXJ0Rm9yZWdyb3VuZElzQWN0aXZlIjpmYWxzZSwiSG9yaXpvbnRhbEFsaWdubWVudCI6MSwiVmVydGljYWxBbGlnbm1lbnQiOjAsIlNtYXJ0Rm9yZWdyb3VuZCI6bnVsbCwiQmFja2dyb3VuZEZpbGxUeXBlIjowLCJNYXJnaW4iOnsiJHJlZiI6IjUyIn0sIlBhZGRpbmciOnsiJHJlZiI6IjUzIn0sIkJhY2tncm91bmQiOnsiJGlkIjoiMzgxIiwiQ29sb3IiOnsiJGlkIjoiMzgyIiwiQSI6MCwiUiI6MjU1LCJHIjoyNTUsIkIiOjI1NX19LCJJc1Zpc2libGUiOnRydWUsIldpZHRoIjowLjAsIkhlaWdodCI6MC4wLCJCb3JkZXJTdHlsZSI6eyIkaWQiOiIzODMiLCJMaW5lQ29sb3IiOm51bGwsIkxpbmVXZWlnaHQiOjAuMCwiTGluZVR5cGUiOjAsIlBhcmVudFN0eWxlIjpudWxsfSwiUGFyZW50U3R5bGUiOm51bGx9LCJEYXRlRm9ybWF0Ijp7IiRyZWYiOiIzMTcifSwiV2Vla051bWJlcmluZyI6eyIkaWQiOiIzODQiLCJGb3JtYXQiOjAsIklzVmlzaWJsZSI6ZmFsc2UsIkxhc3RLbm93blZpc2liaWxpdHlTdGF0ZSI6ZmFsc2V9LCJJc1Zpc2libGUiOnRydWUsIlBhcmVudFN0eWxlIjpudWxsfSwiSW5kZXgiOjEwLCJTbWFydER1cmF0aW9uQWN0aXZhdGVkIjpmYWxzZSwiRGF0ZUZvcm1hdCI6eyIkcmVmIjoiMzE3In0sIldlZWtOdW1iZXJpbmciOnsiJGlkIjoiMzg1IiwiRm9ybWF0IjowLCJJc1Zpc2libGUiOmZhbHNlLCJMYXN0S25vd25WaXNpYmlsaXR5U3RhdGUiOmZhbHNlfSwiSWQiOiIxYTUxYWJmMS0zZWNhLTRhYjAtOTFkMS04NmUyOTFjMmRhMDYiLCJJbXBvcnRJZCI6bnVsbCwiVGl0bGUiOiJQcm9qZWN0IENoYXJ0ZXIiLCJOb3RlIjpudWxsLCJIeXBlcmxpbmsiOnsiJGlkIjoiMzg2IiwiQWRkcmVzcyI6IiIsIlN1YkFkZHJlc3MiOiIifSwiSXNDaGFuZ2VkIjpmYWxzZSwiSXNOZXciOmZhbHNlfX1dLCJfbWlsZXN0b25lcyI6W10sIklkIjoiMDAwMDAwMDAtMDAwMC0wMDAwLTAwMDAtMDAwMDAwMDAwMDAwIiwiSXNTaW5nbGVJdGVtUm93Ijp0cnVlfV0sIkluZGV4Ijo3LCJJZCI6ImRjMDc2ZmNkLWQxYmUtNDIwNy1iNWY5LTM4MTViMzhjZDkxZSIsIkhlYWRlclRleHQiOm51bGwsIklzRGVmYXVsdCI6dHJ1ZSwiU3R5bGUiOnsiJGlkIjoiMzg3IiwiSGVhZGVyU3R5bGUiOnsiJGlkIjoiMzg4IiwiVGV4dFN0eWxlIjp7IiRpZCI6IjM4OSIsIkZvbnRTZXR0aW5ncyI6eyIkaWQiOiIzOTAiLCJGb250U2l6ZSI6MTEsIkZvbnROYW1lIjoiQ2FsaWJyaSIsIklzQm9sZCI6ZmFsc2UsIklzSXRhbGljIjpmYWxzZSwiSXNVbmRlcmxpbmVkIjpmYWxzZSwiUGFyZW50U3R5bGUiOm51bGx9LCJBdXRvU2l6ZSI6MiwiRm9yZWdyb3VuZCI6eyIkaWQiOiIzOTEiLCJDb2xvciI6eyIkaWQiOiIzOTIiLCJBIjoyNTUsIlIiOjAsIkciOjAsIkIiOjB9fSwiTWF4V2lkdGgiOjAuMCwiTWF4SGVpZ2h0IjoiSW5maW5pdHkiLCJTbWFydEZvcmVncm91bmRJc0FjdGl2ZSI6ZmFsc2UsIkhvcml6b250YWxBbGlnbm1lbnQiOjAsIlZlcnRpY2FsQWxpZ25tZW50IjowLCJTbWFydEZvcmVncm91bmQiOm51bGwsIkJhY2tncm91bmRGaWxsVHlwZSI6MCwiTWFyZ2luIjp7IiRpZCI6IjM5MyIsIlRvcCI6MC4wLCJMZWZ0IjowLjAsIlJpZ2h0IjowLjAsIkJvdHRvbSI6MC4wfSwiUGFkZGluZyI6eyIkaWQiOiIzOTQiLCJUb3AiOjAuMCwiTGVmdCI6MC4wLCJSaWdodCI6MC4wLCJCb3R0b20iOjAuMH0sIkJhY2tncm91bmQiOm51bGwsIklzVmlzaWJsZSI6dHJ1ZSwiV2lkdGgiOjAuMCwiSGVpZ2h0IjowLjAsIkJvcmRlclN0eWxlIjpudWxsLCJQYXJlbnRTdHlsZSI6bnVsbH0sIlJlY3RhbmdsZVN0eWxlIjp7IiRpZCI6IjM5NSIsIk1hcmdpbiI6eyIkaWQiOiIzOTYiLCJUb3AiOjAuMCwiTGVmdCI6MC4wLCJSaWdodCI6MC4wLCJCb3R0b20iOjAuMH0sIlBhZGRpbmciOnsiJGlkIjoiMzk3IiwiVG9wIjowLjAsIkxlZnQiOjAuMCwiUmlnaHQiOjAuMCwiQm90dG9tIjowLjB9LCJCYWNrZ3JvdW5kIjp7IiRpZCI6IjM5OCIsIkNvbG9yIjp7IiRpZCI6IjM5OSIsIkEiOjYzLCJSIjoyMzcsIkciOjEyNSwiQiI6NDl9fSwiSXNWaXNpYmxlIjp0cnVlLCJXaWR0aCI6MC4wLCJIZWlnaHQiOjAuMCwiQm9yZGVyU3R5bGUiOnsiJGlkIjoiNDAwIiwiTGluZUNvbG9yIjp7IiRpZCI6IjQwMSIsIiR0eXBlIjoiTkxSRS5Db21tb24uRG9tLlNvbGlkQ29sb3JCcnVzaCwgTkxSRS5Db21tb24iLCJDb2xvciI6eyIkaWQiOiI0MDIiLCJBIjoyNTUsIlIiOjI1NSwiRyI6MCwiQiI6MH19LCJMaW5lV2VpZ2h0IjowLjAsIkxpbmVUeXBlIjowLCJQYXJlbnRTdHlsZSI6bnVsbH0sIlBhcmVudFN0eWxlIjpudWxsfSwiTWFyZ2luIjp7IiRpZCI6IjQwMyIsIlRvcCI6MC4wLCJMZWZ0IjowLjAsIlJpZ2h0IjowLjAsIkJvdHRvbSI6MC4wfSwiUGFkZGluZyI6eyIkaWQiOiI0MDQiLCJUb3AiOjAuMCwiTGVmdCI6MC4wLCJSaWdodCI6MC4wLCJCb3R0b20iOjAuMH0sIkJhY2tncm91bmQiOm51bGwsIklzVmlzaWJsZSI6dHJ1ZSwiV2lkdGgiOjAuMCwiSGVpZ2h0IjowLjAsIkJvcmRlclN0eWxlIjpudWxsLCJQYXJlbnRTdHlsZSI6bnVsbH0sIkJhY2tncm91bmRTdHlsZSI6eyIkaWQiOiI0MDUiLCJNYXJnaW4iOnsiJGlkIjoiNDA2IiwiVG9wIjowLjAsIkxlZnQiOjAuMCwiUmlnaHQiOjAuMCwiQm90dG9tIjowLjB9LCJQYWRkaW5nIjp7IiRpZCI6IjQwNyIsIlRvcCI6MC4wLCJMZWZ0IjowLjAsIlJpZ2h0IjowLjAsIkJvdHRvbSI6MC4wfSwiQmFja2dyb3VuZCI6eyIkaWQiOiI0MDgiLCJDb2xvciI6eyIkaWQiOiI0MDkiLCJBIjo1MSwiUiI6MTY1LCJHIjoxNjUsIkIiOjE2NX19LCJJc1Zpc2libGUiOnRydWUsIldpZHRoIjowLjAsIkhlaWdodCI6MC4wLCJCb3JkZXJTdHlsZSI6eyIkaWQiOiI0MTAiLCJMaW5lQ29sb3IiOnsiJGlkIjoiNDExIiwiJHR5cGUiOiJOTFJFLkNvbW1vbi5Eb20uU29saWRDb2xvckJydXNoLCBOTFJFLkNvbW1vbiIsIkNvbG9yIjp7IiRpZCI6IjQxMiIsIkEiOjI1NSwiUiI6MjU1LCJHIjowLCJCIjowfX0sIkxpbmVXZWlnaHQiOjAuMCwiTGluZVR5cGUiOjAsIlBhcmVudFN0eWxlIjpudWxsfSwiUGFyZW50U3R5bGUiOm51bGx9LCJNYXJnaW4iOnsiJGlkIjoiNDEzIiwiVG9wIjowLjAsIkxlZnQiOjAuMCwiUmlnaHQiOjAuMCwiQm90dG9tIjowLjB9LCJQYWRkaW5nIjp7IiRpZCI6IjQxNCIsIlRvcCI6MC4wLCJMZWZ0IjowLjAsIlJpZ2h0IjowLjAsIkJvdHRvbSI6MC4wfSwiSXNWaXNpYmxlIjpmYWxzZSwiV2lkdGgiOjAuMCwiSGVpZ2h0IjowLjAsIkJvcmRlclN0eWxlIjpudWxsLCJQYXJlbnRTdHlsZSI6bnVsbH19XSwiSWQiOiJlMjBhYzZjMy1jYTBmLTQ1ZGQtYmI0OS01YjE4YWJhMThhM2QiLCJJbmRleCI6NywiSGVhZGVyVGV4dCI6Ik1hbmFnZXJpYWwgVGFza3MiLCJTdHlsZSI6eyIkaWQiOiI0MTUiLCJIZWFkZXJTdHlsZSI6eyIkaWQiOiI0MTYiLCJUZXh0SXNWZXJ0aWNhbCI6ZmFsc2UsIlRleHRTdHlsZSI6eyIkaWQiOiI0MTciLCJGb250U2V0dGluZ3MiOnsiJGlkIjoiNDE4IiwiRm9udFNpemUiOjEyLCJGb250TmFtZSI6IkNhbGlicmkiLCJJc0JvbGQiOmZhbHNlLCJJc0l0YWxpYyI6ZmFsc2UsIklzVW5kZXJsaW5lZCI6ZmFsc2UsIlBhcmVudFN0eWxlIjpudWxsfSwiQXV0b1NpemUiOjIsIkZvcmVncm91bmQiOnsiJHJlZiI6IjI1OCJ9LCJNYXhXaWR0aCI6MTYwLjAsIk1heEhlaWdodCI6IkluZmluaXR5IiwiU21hcnRGb3JlZ3JvdW5kSXNBY3RpdmUiOmZhbHNlLCJIb3Jpem9udGFsQWxpZ25tZW50IjowLCJWZXJ0aWNhbEFsaWdubWVudCI6MCwiU21hcnRGb3JlZ3JvdW5kIjpudWxsLCJCYWNrZ3JvdW5kRmlsbFR5cGUiOjAsIk1hcmdpbiI6eyIkcmVmIjoiMjYwIn0sIlBhZGRpbmciOnsiJHJlZiI6IjI2MSJ9LCJCYWNrZ3JvdW5kIjpudWxsLCJJc1Zpc2libGUiOnRydWUsIldpZHRoIjowLjAsIkhlaWdodCI6MC4wLCJCb3JkZXJTdHlsZSI6bnVsbCwiUGFyZW50U3R5bGUiOm51bGx9LCJSZWN0YW5nbGVTdHlsZSI6eyIkaWQiOiI0MTkiLCJNYXJnaW4iOnsiJGlkIjoiNDIwIiwiVG9wIjowLjAsIkxlZnQiOjAuMCwiUmlnaHQiOjAuMCwiQm90dG9tIjowLjB9LCJQYWRkaW5nIjp7IiRpZCI6IjQyMSIsIlRvcCI6MC4wLCJMZWZ0IjowLjAsIlJpZ2h0IjowLjAsIkJvdHRvbSI6MC4wfSwiQmFja2dyb3VuZCI6eyIkaWQiOiI0MjIiLCJDb2xvciI6eyIkaWQiOiI0MjMiLCJBIjoyNTUsIlIiOjIzNywiRyI6MTI1LCJCIjo0OX19LCJJc1Zpc2libGUiOnRydWUsIldpZHRoIjowLjAsIkhlaWdodCI6MC4wLCJCb3JkZXJTdHlsZSI6eyIkaWQiOiI0MjQiLCJMaW5lQ29sb3IiOnsiJGlkIjoiNDI1IiwiJHR5cGUiOiJOTFJFLkNvbW1vbi5Eb20uU29saWRDb2xvckJydXNoLCBOTFJFLkNvbW1vbiIsIkNvbG9yIjp7IiRpZCI6IjQyNiIsIkEiOjI1NSwiUiI6MjU1LCJHIjowLCJCIjowfX0sIkxpbmVXZWlnaHQiOjAuMCwiTGluZVR5cGUiOjAsIlBhcmVudFN0eWxlIjpudWxsfSwiUGFyZW50U3R5bGUiOm51bGx9LCJNYXJnaW4iOnsiJGlkIjoiNDI3IiwiVG9wIjowLjAsIkxlZnQiOjAuMCwiUmlnaHQiOjAuMCwiQm90dG9tIjowLjB9LCJQYWRkaW5nIjp7IiRpZCI6IjQyOCIsIlRvcCI6MC4wLCJMZWZ0IjowLjAsIlJpZ2h0IjowLjAsIkJvdHRvbSI6MC4wfSwiQmFja2dyb3VuZCI6bnVsbCwiSXNWaXNpYmxlIjp0cnVlLCJXaWR0aCI6MC4wLCJIZWlnaHQiOjAuMCwiQm9yZGVyU3R5bGUiOm51bGwsIlBhcmVudFN0eWxlIjpudWxsfSwiQmFja2dyb3VuZFN0eWxlIjp7IiRpZCI6IjQyOSIsIk1hcmdpbiI6eyIkaWQiOiI0MzAiLCJUb3AiOjAuMCwiTGVmdCI6MC4wLCJSaWdodCI6MC4wLCJCb3R0b20iOjAuMH0sIlBhZGRpbmciOnsiJGlkIjoiNDMxIiwiVG9wIjowLjAsIkxlZnQiOjAuMCwiUmlnaHQiOjAuMCwiQm90dG9tIjowLjB9LCJCYWNrZ3JvdW5kIjp7IiRpZCI6IjQzMiIsIkNvbG9yIjp7IiRpZCI6IjQzMyIsIkEiOjUxLCJSIjoxNjUsIkciOjE2NSwiQiI6MTY1fX0sIklzVmlzaWJsZSI6dHJ1ZSwiV2lkdGgiOjAuMCwiSGVpZ2h0IjowLjAsIkJvcmRlclN0eWxlIjp7IiRpZCI6IjQzNCIsIkxpbmVDb2xvciI6eyIkaWQiOiI0MzUiLCIkdHlwZSI6Ik5MUkUuQ29tbW9uLkRvbS5Tb2xpZENvbG9yQnJ1c2gsIE5MUkUuQ29tbW9uIiwiQ29sb3IiOnsiJGlkIjoiNDM2IiwiQSI6MjU1LCJSIjoyNTUsIkciOjAsIkIiOjB9fSwiTGluZVdlaWdodCI6MC4wLCJMaW5lVHlwZSI6MCwiUGFyZW50U3R5bGUiOm51bGx9LCJQYXJlbnRTdHlsZSI6bnVsbH0sIklzQWJvdmVUaW1lYmFuZCI6ZmFsc2UsIk1hcmdpbiI6eyIkaWQiOiI0MzciLCJUb3AiOjAuMCwiTGVmdCI6MC4wLCJSaWdodCI6MC4wLCJCb3R0b20iOjAuMH0sIlBhZGRpbmciOnsiJGlkIjoiNDM4IiwiVG9wIjowLjAsIkxlZnQiOjAuMCwiUmlnaHQiOjAuMCwiQm90dG9tIjowLjB9LCJJc1Zpc2libGUiOnRydWUsIldpZHRoIjowLjAsIkhlaWdodCI6MC4wLCJCb3JkZXJTdHlsZSI6eyIkaWQiOiI0MzkiLCJMaW5lQ29sb3IiOm51bGwsIkxpbmVXZWlnaHQiOjAuMCwiTGluZVR5cGUiOjAsIlBhcmVudFN0eWxlIjpudWxsfSwiUGFyZW50U3R5bGUiOm51bGx9fSx7IiRpZCI6IjQ0MCIsIl9hY3Rpdml0aWVzIjpbeyIkaWQiOiI0NDEiLCJfcm93cyI6W3siJGlkIjoiNDQyIiwiX3Rhc2tzIjpbeyIkaWQiOiI0NDMiLCJfYXR0YWNoZWRNaWxlc3RvbmVzIjpbXSwiVGFza0RlZmluaXRpb24iOnsiJGlkIjoiNDQ0IiwiR3JvdXBOYW1lIjpudWxsLCJTdGFydERhdGUiOiIyMDIyLTA1LTI4VDAwOjAwOjAwWiIsIkVuZERhdGUiOiIyMDIyLTA1LTI4VDIzOjU5OjAwWiIsIlBlcmNlbnRhZ2VDb21wbGV0ZSI6bnVsbCwiU3R5bGUiOnsiJGlkIjoiNDQ1IiwiU2hhcGUiOjIsIlNoYXBlVGhpY2tuZXNzIjoxLCJEdXJhdGlvbkZvcm1hdCI6MCwiSW5jbHVkZU5vbldvcmtpbmdEYXlzSW5EdXJhdGlvbiI6ZmFsc2UsIlBlcmNlbnRhZ2VDb21wbGV0ZVN0eWxlIjp7IiRpZCI6IjQ0NiIsIkZvbnRTZXR0aW5ncyI6eyIkaWQiOiI0NDciLCJGb250U2l6ZSI6MTAsIkZvbnROYW1lIjoiQ2FsaWJyaSIsIklzQm9sZCI6ZmFsc2UsIklzSXRhbGljIjpmYWxzZSwiSXNVbmRlcmxpbmVkIjpmYWxzZSwiUGFyZW50U3R5bGUiOm51bGx9LCJBdXRvU2l6ZSI6MCwiRm9yZWdyb3VuZCI6eyIkcmVmIjoiMTAifSwiTWF4V2lkdGgiOjIwMC4wLCJNYXhIZWlnaHQiOiJJbmZpbml0eSIsIlNtYXJ0Rm9yZWdyb3VuZElzQWN0aXZlIjpmYWxzZSwiSG9yaXpvbnRhbEFsaWdubWVudCI6MCwiVmVydGljYWxBbGlnbm1lbnQiOjAsIlNtYXJ0Rm9yZWdyb3VuZCI6bnVsbCwiQmFja2dyb3VuZEZpbGxUeXBlIjowLCJNYXJnaW4iOnsiJHJlZiI6IjEyIn0sIlBhZGRpbmciOnsiJHJlZiI6IjEzIn0sIkJhY2tncm91bmQiOnsiJHJlZiI6IjE0In0sIklzVmlzaWJsZSI6dHJ1ZSwiV2lkdGgiOjAuMCwiSGVpZ2h0IjowLjAsIkJvcmRlclN0eWxlIjp7IiRpZCI6IjQ0OCIsIkxpbmVDb2xvciI6bnVsbCwiTGluZVdlaWdodCI6MC4wLCJMaW5lVHlwZSI6MCwiUGFyZW50U3R5bGUiOm51bGx9LCJQYXJlbnRTdHlsZSI6bnVsbH0sIkR1cmF0aW9uU3R5bGUiOnsiJGlkIjoiNDQ5IiwiRm9udFNldHRpbmdzIjp7IiRpZCI6IjQ1MCIsIkZvbnRTaXplIjoxMCwiRm9udE5hbWUiOiJDYWxpYnJpIiwiSXNCb2xkIjpmYWxzZSwiSXNJdGFsaWMiOmZhbHNlLCJJc1VuZGVybGluZWQiOmZhbHNlLCJQYXJlbnRTdHlsZSI6bnVsbH0sIkF1dG9TaXplIjowLCJGb3JlZ3JvdW5kIjp7IiRyZWYiOiIxOSJ9LCJNYXhXaWR0aCI6MjAwLjAsIk1heEhlaWdodCI6IkluZmluaXR5IiwiU21hcnRGb3JlZ3JvdW5kSXNBY3RpdmUiOmZhbHNlLCJIb3Jpem9udGFsQWxpZ25tZW50IjowLCJWZXJ0aWNhbEFsaWdubWVudCI6MCwiU21hcnRGb3JlZ3JvdW5kIjpudWxsLCJCYWNrZ3JvdW5kRmlsbFR5cGUiOjAsIk1hcmdpbiI6eyIkcmVmIjoiMjEifSwiUGFkZGluZyI6eyIkcmVmIjoiMjIifSwiQmFja2dyb3VuZCI6eyIkcmVmIjoiMjMifSwiSXNWaXNpYmxlIjp0cnVlLCJXaWR0aCI6MC4wLCJIZWlnaHQiOjAuMCwiQm9yZGVyU3R5bGUiOnsiJGlkIjoiNDUxIiwiTGluZUNvbG9yIjpudWxsLCJMaW5lV2VpZ2h0IjowLjAsIkxpbmVUeXBlIjowLCJQYXJlbnRTdHlsZSI6bnVsbH0sIlBhcmVudFN0eWxlIjpudWxsfSwiSG9yaXpvbnRhbENvbm5lY3RvclN0eWxlIjp7IiRpZCI6IjQ1MiIsIkxpbmVDb2xvciI6eyIkcmVmIjoiMjYifSwiTGluZVdlaWdodCI6MS4wLCJMaW5lVHlwZSI6MCwiUGFyZW50U3R5bGUiOm51bGx9LCJWZXJ0aWNhbENvbm5lY3RvclN0eWxlIjp7IiRpZCI6IjQ1MyIsIkxpbmVDb2xvciI6eyIkcmVmIjoiMjkifSwiTGluZVdlaWdodCI6MC4wLCJMaW5lVHlwZSI6MCwiUGFyZW50U3R5bGUiOm51bGx9LCJNYXJnaW4iOm51bGwsIlN0YXJ0RGF0ZVBvc2l0aW9uIjozLCJFbmREYXRlUG9zaXRpb24iOjQsIkRhdGVJc1Zpc2libGUiOnRydWUsIlRpdGxlUG9zaXRpb24iOjIsIkR1cmF0aW9uUG9zaXRpb24iOjYsIlBlcmNlbnRhZ2VDb21wbGV0ZWRQb3NpdGlvbiI6NiwiU3BhY2luZyI6NSwiSXNCZWxvd1RpbWViYW5kIjpmYWxzZSwiUGVyY2VudGFnZUNvbXBsZXRlU2hhcGVPcGFjaXR5IjozNSwiU2hhcGVTdHlsZSI6eyIkaWQiOiI0NTQiLCJNYXJnaW4iOnsiJHJlZiI6IjMyIn0sIlBhZGRpbmciOnsiJHJlZiI6IjMzIn0sIkJhY2tncm91bmQiOnsiJGlkIjoiNDU1IiwiQ29sb3IiOnsiJGlkIjoiNDU2IiwiQSI6MjU1LCJSIjo5MSwiRyI6MTU1LCJCIjoyMTN9fSwiSXNWaXNpYmxlIjp0cnVlLCJXaWR0aCI6MC4wLCJIZWlnaHQiOjE2LjAsIkJvcmRlclN0eWxlIjp7IiRpZCI6IjQ1NyIsIkxpbmVDb2xvciI6eyIkaWQiOiI0NTgiLCIkdHlwZSI6Ik5MUkUuQ29tbW9uLkRvbS5Tb2xpZENvbG9yQnJ1c2gsIE5MUkUuQ29tbW9uIiwiQ29sb3IiOnsiJGlkIjoiNDU5IiwiQSI6MjU1LCJSIjoyNTUsIkciOjAsIkIiOjB9fSwiTGluZVdlaWdodCI6MC4wLCJMaW5lVHlwZSI6MCwiUGFyZW50U3R5bGUiOm51bGx9LCJQYXJlbnRTdHlsZSI6bnVsbH0sIlRpdGxlU3R5bGUiOnsiJGlkIjoiNDYwIiwiRm9udFNldHRpbmdzIjp7IiRpZCI6IjQ2MSIsIkZvbnRTaXplIjoxMSwiRm9udE5hbWUiOiJDYWxpYnJpIiwiSXNCb2xkIjp0cnVlLCJJc0l0YWxpYyI6ZmFsc2UsIklzVW5kZXJsaW5lZCI6ZmFsc2UsIlBhcmVudFN0eWxlIjpudWxsfSwiQXV0b1NpemUiOjAsIkZvcmVncm91bmQiOnsiJGlkIjoiNDYyIiwiQ29sb3IiOnsiJGlkIjoiNDYzIiwiQSI6MjU1LCJSIjowLCJHIjowLCJCIjowfX0sIk1heFdpZHRoIjo3MjAuMCwiTWF4SGVpZ2h0IjoiSW5maW5pdHkiLCJTbWFydEZvcmVncm91bmRJc0FjdGl2ZSI6ZmFsc2UsIkhvcml6b250YWxBbGlnbm1lbnQiOjEsIlZlcnRpY2FsQWxpZ25tZW50IjowLCJTbWFydEZvcmVncm91bmQiOm51bGwsIkJhY2tncm91bmRGaWxsVHlwZSI6MCwiTWFyZ2luIjp7IiRyZWYiOiI0MyJ9LCJQYWRkaW5nIjp7IiRyZWYiOiI0NCJ9LCJCYWNrZ3JvdW5kIjp7IiRpZCI6IjQ2NCIsIkNvbG9yIjp7IiRyZWYiOiIxNSJ9fSwiSXNWaXNpYmxlIjp0cnVlLCJXaWR0aCI6MC4wLCJIZWlnaHQiOjAuMCwiQm9yZGVyU3R5bGUiOnsiJGlkIjoiNDY1IiwiTGluZUNvbG9yIjpudWxsLCJMaW5lV2VpZ2h0IjowLjAsIkxpbmVUeXBlIjowLCJQYXJlbnRTdHlsZSI6bnVsbH0sIlBhcmVudFN0eWxlIjpudWxsfSwiRGF0ZVN0eWxlIjp7IiRpZCI6IjQ2NiIsIkZvbnRTZXR0aW5ncyI6eyIkaWQiOiI0NjciLCJGb250U2l6ZSI6MTAsIkZvbnROYW1lIjoiQ2FsaWJyaSIsIklzQm9sZCI6ZmFsc2UsIklzSXRhbGljIjpmYWxzZSwiSXNVbmRlcmxpbmVkIjpmYWxzZSwiUGFyZW50U3R5bGUiOm51bGx9LCJBdXRvU2l6ZSI6MCwiRm9yZWdyb3VuZCI6eyIkaWQiOiI0NjgiLCJDb2xvciI6eyIkaWQiOiI0NjkiLCJBIjoyNTUsIlIiOjY4LCJHIjo4NCwiQiI6MTA2fX0sIk1heFdpZHRoIjoyMDAuMCwiTWF4SGVpZ2h0IjoiSW5maW5pdHkiLCJTbWFydEZvcmVncm91bmRJc0FjdGl2ZSI6ZmFsc2UsIkhvcml6b250YWxBbGlnbm1lbnQiOjEsIlZlcnRpY2FsQWxpZ25tZW50IjowLCJTbWFydEZvcmVncm91bmQiOm51bGwsIkJhY2tncm91bmRGaWxsVHlwZSI6MCwiTWFyZ2luIjp7IiRyZWYiOiI1MiJ9LCJQYWRkaW5nIjp7IiRyZWYiOiI1MyJ9LCJCYWNrZ3JvdW5kIjp7IiRpZCI6IjQ3MCIsIkNvbG9yIjp7IiRyZWYiOiIxNSJ9fSwiSXNWaXNpYmxlIjp0cnVlLCJXaWR0aCI6MC4wLCJIZWlnaHQiOjAuMCwiQm9yZGVyU3R5bGUiOnsiJGlkIjoiNDcxIiwiTGluZUNvbG9yIjpudWxsLCJMaW5lV2VpZ2h0IjowLjAsIkxpbmVUeXBlIjowLCJQYXJlbnRTdHlsZSI6bnVsbH0sIlBhcmVudFN0eWxlIjpudWxsfSwiRGF0ZUZvcm1hdCI6eyIkaWQiOiI0NzIiLCJGb3JtYXRTdHJpbmciOiJNTU0gZCIsIlNlcGFyYXRvciI6Ii8iLCJVc2VJbnRlcm5hdGlvbmFsRGF0ZUZvcm1hdCI6ZmFsc2UsIkRhdGVJc1Zpc2libGUiOnRydWUsIlRpbWVJc1Zpc2libGUiOmZhbHNlLCJIb3VyRGlnaXRzIjoxLCJBbVBtRGVzaWduYXRvciI6MiwiVHJpbTAwTWludXRlcyI6ZmFsc2UsIkxhc3RLbm93blZpc2liaWxpdHlTdGF0ZSI6bnVsbH0sIldlZWtOdW1iZXJpbmciOnsiJGlkIjoiNDczIiwiRm9ybWF0IjowLCJJc1Zpc2libGUiOmZhbHNlLCJMYXN0S25vd25WaXNpYmlsaXR5U3RhdGUiOmZhbHNlfSwiSXNWaXNpYmxlIjp0cnVlLCJQYXJlbnRTdHlsZSI6bnVsbH0sIkluZGV4IjoxMiwiU21hcnREdXJhdGlvbkFjdGl2YXRlZCI6ZmFsc2UsIkRhdGVGb3JtYXQiOnsiJHJlZiI6IjQ3MiJ9LCJXZWVrTnVtYmVyaW5nIjp7IiRpZCI6IjQ3NCIsIkZvcm1hdCI6MCwiSXNWaXNpYmxlIjpmYWxzZSwiTGFzdEtub3duVmlzaWJpbGl0eVN0YXRlIjpmYWxzZX0sIklkIjoiNTY5OGJhZTEtMzVhYi00MWNjLTg1Y2EtNTc1ZDQxN2YxNjc2IiwiSW1wb3J0SWQiOm51bGwsIlRpdGxlIjoiUmVsZWFzZSIsIk5vdGUiOm51bGwsIkh5cGVybGluayI6eyIkaWQiOiI0NzUiLCJBZGRyZXNzIjoiIiwiU3ViQWRkcmVzcyI6IiJ9LCJJc0NoYW5nZWQiOmZhbHNlLCJJc05ldyI6ZmFsc2V9fV0sIl9taWxlc3RvbmVzIjpbXSwiSWQiOiIwMDAwMDAwMC0wMDAwLTAwMDAtMDAwMC0wMDAwMDAwMDAwMDAiLCJJc1NpbmdsZUl0ZW1Sb3ciOnRydWV9XSwiSW5kZXgiOjExLCJJZCI6IjJlNmNkMTNiLTk5MzQtNDUzZi05NTY5LWMwNGU1ZTY1YTZlYiIsIkhlYWRlclRleHQiOm51bGwsIklzRGVmYXVsdCI6dHJ1ZSwiU3R5bGUiOnsiJGlkIjoiNDc2IiwiSGVhZGVyU3R5bGUiOnsiJGlkIjoiNDc3IiwiVGV4dFN0eWxlIjp7IiRpZCI6IjQ3OCIsIkZvbnRTZXR0aW5ncyI6eyIkaWQiOiI0NzkiLCJGb250U2l6ZSI6MTEsIkZvbnROYW1lIjoiQ2FsaWJyaSIsIklzQm9sZCI6ZmFsc2UsIklzSXRhbGljIjpmYWxzZSwiSXNVbmRlcmxpbmVkIjpmYWxzZSwiUGFyZW50U3R5bGUiOm51bGx9LCJBdXRvU2l6ZSI6MiwiRm9yZWdyb3VuZCI6eyIkaWQiOiI0ODAiLCJDb2xvciI6eyIkaWQiOiI0ODEiLCJBIjoyNTUsIlIiOjAsIkciOjAsIkIiOjB9fSwiTWF4V2lkdGgiOjAuMCwiTWF4SGVpZ2h0IjoiSW5maW5pdHkiLCJTbWFydEZvcmVncm91bmRJc0FjdGl2ZSI6ZmFsc2UsIkhvcml6b250YWxBbGlnbm1lbnQiOjAsIlZlcnRpY2FsQWxpZ25tZW50IjowLCJTbWFydEZvcmVncm91bmQiOm51bGwsIkJhY2tncm91bmRGaWxsVHlwZSI6MCwiTWFyZ2luIjp7IiRpZCI6IjQ4MiIsIlRvcCI6MC4wLCJMZWZ0IjowLjAsIlJpZ2h0IjowLjAsIkJvdHRvbSI6MC4wfSwiUGFkZGluZyI6eyIkaWQiOiI0ODMiLCJUb3AiOjAuMCwiTGVmdCI6MC4wLCJSaWdodCI6MC4wLCJCb3R0b20iOjAuMH0sIkJhY2tncm91bmQiOm51bGwsIklzVmlzaWJsZSI6dHJ1ZSwiV2lkdGgiOjAuMCwiSGVpZ2h0IjowLjAsIkJvcmRlclN0eWxlIjpudWxsLCJQYXJlbnRTdHlsZSI6bnVsbH0sIlJlY3RhbmdsZVN0eWxlIjp7IiRpZCI6IjQ4NCIsIk1hcmdpbiI6eyIkaWQiOiI0ODUiLCJUb3AiOjAuMCwiTGVmdCI6MC4wLCJSaWdodCI6MC4wLCJCb3R0b20iOjAuMH0sIlBhZGRpbmciOnsiJGlkIjoiNDg2IiwiVG9wIjowLjAsIkxlZnQiOjAuMCwiUmlnaHQiOjAuMCwiQm90dG9tIjowLjB9LCJCYWNrZ3JvdW5kIjp7IiRpZCI6IjQ4NyIsIkNvbG9yIjp7IiRpZCI6IjQ4OCIsIkEiOjYzLCJSIjoxNjUsIkciOjE2NSwiQiI6MTY1fX0sIklzVmlzaWJsZSI6dHJ1ZSwiV2lkdGgiOjAuMCwiSGVpZ2h0IjowLjAsIkJvcmRlclN0eWxlIjp7IiRpZCI6IjQ4OSIsIkxpbmVDb2xvciI6eyIkaWQiOiI0OTAiLCIkdHlwZSI6Ik5MUkUuQ29tbW9uLkRvbS5Tb2xpZENvbG9yQnJ1c2gsIE5MUkUuQ29tbW9uIiwiQ29sb3IiOnsiJGlkIjoiNDkxIiwiQSI6MjU1LCJSIjoyNTUsIkciOjAsIkIiOjB9fSwiTGluZVdlaWdodCI6MC4wLCJMaW5lVHlwZSI6MCwiUGFyZW50U3R5bGUiOm51bGx9LCJQYXJlbnRTdHlsZSI6bnVsbH0sIk1hcmdpbiI6eyIkaWQiOiI0OTIiLCJUb3AiOjAuMCwiTGVmdCI6MC4wLCJSaWdodCI6MC4wLCJCb3R0b20iOjAuMH0sIlBhZGRpbmciOnsiJGlkIjoiNDkzIiwiVG9wIjowLjAsIkxlZnQiOjAuMCwiUmlnaHQiOjAuMCwiQm90dG9tIjowLjB9LCJCYWNrZ3JvdW5kIjpudWxsLCJJc1Zpc2libGUiOnRydWUsIldpZHRoIjowLjAsIkhlaWdodCI6MC4wLCJCb3JkZXJTdHlsZSI6bnVsbCwiUGFyZW50U3R5bGUiOm51bGx9LCJCYWNrZ3JvdW5kU3R5bGUiOnsiJGlkIjoiNDk0IiwiTWFyZ2luIjp7IiRpZCI6IjQ5NSIsIlRvcCI6MC4wLCJMZWZ0IjowLjAsIlJpZ2h0IjowLjAsIkJvdHRvbSI6MC4wfSwiUGFkZGluZyI6eyIkaWQiOiI0OTYiLCJUb3AiOjAuMCwiTGVmdCI6MC4wLCJSaWdodCI6MC4wLCJCb3R0b20iOjAuMH0sIkJhY2tncm91bmQiOnsiJGlkIjoiNDk3IiwiQ29sb3IiOnsiJGlkIjoiNDk4IiwiQSI6NTEsIlIiOjE2NSwiRyI6MTY1LCJCIjoxNjV9fSwiSXNWaXNpYmxlIjp0cnVlLCJXaWR0aCI6MC4wLCJIZWlnaHQiOjAuMCwiQm9yZGVyU3R5bGUiOnsiJGlkIjoiNDk5IiwiTGluZUNvbG9yIjp7IiRpZCI6IjUwMCIsIiR0eXBlIjoiTkxSRS5Db21tb24uRG9tLlNvbGlkQ29sb3JCcnVzaCwgTkxSRS5Db21tb24iLCJDb2xvciI6eyIkaWQiOiI1MDEiLCJBIjoyNTUsIlIiOjI1NSwiRyI6MCwiQiI6MH19LCJMaW5lV2VpZ2h0IjowLjAsIkxpbmVUeXBlIjowLCJQYXJlbnRTdHlsZSI6bnVsbH0sIlBhcmVudFN0eWxlIjpudWxsfSwiTWFyZ2luIjp7IiRpZCI6IjUwMiIsIlRvcCI6MC4wLCJMZWZ0IjowLjAsIlJpZ2h0IjowLjAsIkJvdHRvbSI6MC4wfSwiUGFkZGluZyI6eyIkaWQiOiI1MDMiLCJUb3AiOjAuMCwiTGVmdCI6MC4wLCJSaWdodCI6MC4wLCJCb3R0b20iOjAuMH0sIklzVmlzaWJsZSI6ZmFsc2UsIldpZHRoIjowLjAsIkhlaWdodCI6MC4wLCJCb3JkZXJTdHlsZSI6bnVsbCwiUGFyZW50U3R5bGUiOm51bGx9fV0sIklkIjoiZjgzODE0ZDQtZGI1Zi00NDQ2LWE2ODYtYmY2ODA2YTdmZWM5IiwiSW5kZXgiOjExLCJIZWFkZXJUZXh0IjoiRGVwbG95bWVudCIsIlN0eWxlIjp7IiRpZCI6IjUwNCIsIkhlYWRlclN0eWxlIjp7IiRpZCI6IjUwNSIsIlRleHRJc1ZlcnRpY2FsIjpmYWxzZSwiVGV4dFN0eWxlIjp7IiRpZCI6IjUwNiIsIkZvbnRTZXR0aW5ncyI6eyIkaWQiOiI1MDciLCJGb250U2l6ZSI6MTIsIkZvbnROYW1lIjoiQ2FsaWJyaSIsIklzQm9sZCI6ZmFsc2UsIklzSXRhbGljIjpmYWxzZSwiSXNVbmRlcmxpbmVkIjpmYWxzZSwiUGFyZW50U3R5bGUiOm51bGx9LCJBdXRvU2l6ZSI6MiwiRm9yZWdyb3VuZCI6eyIkcmVmIjoiMjU4In0sIk1heFdpZHRoIjoxNjAuMCwiTWF4SGVpZ2h0IjoiSW5maW5pdHkiLCJTbWFydEZvcmVncm91bmRJc0FjdGl2ZSI6ZmFsc2UsIkhvcml6b250YWxBbGlnbm1lbnQiOjAsIlZlcnRpY2FsQWxpZ25tZW50IjowLCJTbWFydEZvcmVncm91bmQiOm51bGwsIkJhY2tncm91bmRGaWxsVHlwZSI6MCwiTWFyZ2luIjp7IiRyZWYiOiIyNjAifSwiUGFkZGluZyI6eyIkcmVmIjoiMjYxIn0sIkJhY2tncm91bmQiOm51bGwsIklzVmlzaWJsZSI6dHJ1ZSwiV2lkdGgiOjAuMCwiSGVpZ2h0IjowLjAsIkJvcmRlclN0eWxlIjpudWxsLCJQYXJlbnRTdHlsZSI6bnVsbH0sIlJlY3RhbmdsZVN0eWxlIjp7IiRpZCI6IjUwOCIsIk1hcmdpbiI6eyIkaWQiOiI1MDkiLCJUb3AiOjAuMCwiTGVmdCI6MC4wLCJSaWdodCI6MC4wLCJCb3R0b20iOjAuMH0sIlBhZGRpbmciOnsiJGlkIjoiNTEwIiwiVG9wIjowLjAsIkxlZnQiOjAuMCwiUmlnaHQiOjAuMCwiQm90dG9tIjowLjB9LCJCYWNrZ3JvdW5kIjp7IiRpZCI6IjUxMSIsIkNvbG9yIjp7IiRpZCI6IjUxMiIsIkEiOjI1NSwiUiI6MTY1LCJHIjoxNjUsIkIiOjE2NX19LCJJc1Zpc2libGUiOnRydWUsIldpZHRoIjowLjAsIkhlaWdodCI6MC4wLCJCb3JkZXJTdHlsZSI6eyIkaWQiOiI1MTMiLCJMaW5lQ29sb3IiOnsiJGlkIjoiNTE0IiwiJHR5cGUiOiJOTFJFLkNvbW1vbi5Eb20uU29saWRDb2xvckJydXNoLCBOTFJFLkNvbW1vbiIsIkNvbG9yIjp7IiRpZCI6IjUxNSIsIkEiOjI1NSwiUiI6MjU1LCJHIjowLCJCIjowfX0sIkxpbmVXZWlnaHQiOjAuMCwiTGluZVR5cGUiOjAsIlBhcmVudFN0eWxlIjpudWxsfSwiUGFyZW50U3R5bGUiOm51bGx9LCJNYXJnaW4iOnsiJGlkIjoiNTE2IiwiVG9wIjowLjAsIkxlZnQiOjAuMCwiUmlnaHQiOjAuMCwiQm90dG9tIjowLjB9LCJQYWRkaW5nIjp7IiRpZCI6IjUxNyIsIlRvcCI6MC4wLCJMZWZ0IjowLjAsIlJpZ2h0IjowLjAsIkJvdHRvbSI6MC4wfSwiQmFja2dyb3VuZCI6bnVsbCwiSXNWaXNpYmxlIjp0cnVlLCJXaWR0aCI6MC4wLCJIZWlnaHQiOjAuMCwiQm9yZGVyU3R5bGUiOm51bGwsIlBhcmVudFN0eWxlIjpudWxsfSwiQmFja2dyb3VuZFN0eWxlIjp7IiRpZCI6IjUxOCIsIk1hcmdpbiI6eyIkaWQiOiI1MTkiLCJUb3AiOjAuMCwiTGVmdCI6MC4wLCJSaWdodCI6MC4wLCJCb3R0b20iOjAuMH0sIlBhZGRpbmciOnsiJGlkIjoiNTIwIiwiVG9wIjowLjAsIkxlZnQiOjAuMCwiUmlnaHQiOjAuMCwiQm90dG9tIjowLjB9LCJCYWNrZ3JvdW5kIjp7IiRpZCI6IjUyMSIsIkNvbG9yIjp7IiRpZCI6IjUyMiIsIkEiOjUxLCJSIjoxNjUsIkciOjE2NSwiQiI6MTY1fX0sIklzVmlzaWJsZSI6dHJ1ZSwiV2lkdGgiOjAuMCwiSGVpZ2h0IjowLjAsIkJvcmRlclN0eWxlIjp7IiRpZCI6IjUyMyIsIkxpbmVDb2xvciI6eyIkaWQiOiI1MjQiLCIkdHlwZSI6Ik5MUkUuQ29tbW9uLkRvbS5Tb2xpZENvbG9yQnJ1c2gsIE5MUkUuQ29tbW9uIiwiQ29sb3IiOnsiJGlkIjoiNTI1IiwiQSI6MjU1LCJSIjoyNTUsIkciOjAsIkIiOjB9fSwiTGluZVdlaWdodCI6MC4wLCJMaW5lVHlwZSI6MCwiUGFyZW50U3R5bGUiOm51bGx9LCJQYXJlbnRTdHlsZSI6bnVsbH0sIklzQWJvdmVUaW1lYmFuZCI6ZmFsc2UsIk1hcmdpbiI6eyIkaWQiOiI1MjYiLCJUb3AiOjAuMCwiTGVmdCI6MC4wLCJSaWdodCI6MC4wLCJCb3R0b20iOjAuMH0sIlBhZGRpbmciOnsiJGlkIjoiNTI3IiwiVG9wIjowLjAsIkxlZnQiOjAuMCwiUmlnaHQiOjAuMCwiQm90dG9tIjowLjB9LCJJc1Zpc2libGUiOnRydWUsIldpZHRoIjowLjAsIkhlaWdodCI6MC4wLCJCb3JkZXJTdHlsZSI6eyIkaWQiOiI1MjgiLCJMaW5lQ29sb3IiOm51bGwsIkxpbmVXZWlnaHQiOjAuMCwiTGluZVR5cGUiOjAsIlBhcmVudFN0eWxlIjpudWxsfSwiUGFyZW50U3R5bGUiOm51bGx9fV0sIkN1bHR1cmVJbmZvTmFtZSI6ImVuLVVTIiwiU3R5bGVOYW1lIjpudWxsLCJWZXJzaW9uIjp7IiRpZCI6IjUyOSIsIlZlcnNpb24iOiIzLjYuMSIsIk9yaWdpbmFsQXNzZW1ibHlWZXJzaW9uIjoiNi4wNi4wMi4wMCIsIkVkaXRpb24iOm51bGwsIkxhc3RTYXZlZEVkaXRpb24iOjAsIklzUGx1c0VkaXRpb24iOmZhbHNlLCJJc1Byb0VkaXRpb24iOmZhbHNlfSwiRWZmZWN0IjoxLCJTdHlsZSI6eyIkaWQiOiI1MzAiLCJUaW1lYmFuZFN0eWxlIjp7IiRpZCI6IjUzMSIsIlNjYWxlTWFya2luZyI6MCwiU2hhcGUiOjAsIlNoYXBlU3R5bGUiOnsiJGlkIjoiNTMyIiwiTWFyZ2luIjp7IiRpZCI6IjUzMyIsIlRvcCI6MC4wLCJMZWZ0IjoxMC4wLCJSaWdodCI6MTAuMCwiQm90dG9tIjowLjB9LCJQYWRkaW5nIjp7IiRpZCI6IjUzNCIsIlRvcCI6NS4wLCJMZWZ0IjoxMy4wLCJSaWdodCI6MTMuMCwiQm90dG9tIjo1LjB9LCJCYWNrZ3JvdW5kIjp7IiRpZCI6IjUzNSIsIkNvbG9yIjp7IiRpZCI6IjUzNiIsIkEiOjI1NSwiUiI6NjgsIkciOjg0LCJCIjoxMDZ9fSwiSXNWaXNpYmxlIjp0cnVlLCJXaWR0aCI6ODU4LjAsIkhlaWdodCI6MzAuMCwiQm9yZGVyU3R5bGUiOnsiJGlkIjoiNTM3IiwiTGluZUNvbG9yIjp7IiRpZCI6IjUzOCIsIiR0eXBlIjoiTkxSRS5Db21tb24uRG9tLlNvbGlkQ29sb3JCcnVzaCwgTkxSRS5Db21tb24iLCJDb2xvciI6eyIkaWQiOiI1MzkiLCJBIjoyNTUsIlIiOjI1NSwiRyI6MCwiQiI6MH19LCJMaW5lV2VpZ2h0IjowLjAsIkxpbmVUeXBlIjowLCJQYXJlbnRTdHlsZSI6bnVsbH0sIlBhcmVudFN0eWxlIjpudWxsfSwiTWlkZGxlVGllclNoYXBlU3R5bGUiOnsiJGlkIjoiNTQwIiwiTWFyZ2luIjp7IiRpZCI6IjU0MSIsIlRvcCI6MC4wLCJMZWZ0IjoxMC4wLCJSaWdodCI6MTAuMCwiQm90dG9tIjowLjB9LCJQYWRkaW5nIjp7IiRpZCI6IjU0MiIsIlRvcCI6NS4wLCJMZWZ0IjoxMy4wLCJSaWdodCI6MTMuMCwiQm90dG9tIjo1LjB9LCJCYWNrZ3JvdW5kIjp7IiRpZCI6IjU0MyIsIkNvbG9yIjp7IiRpZCI6IjU0NCIsIkEiOjI1NSwiUiI6NjgsIkciOjg0LCJCIjoxMDZ9fSwiSXNWaXNpYmxlIjp0cnVlLCJXaWR0aCI6ODU4LjAsIkhlaWdodCI6MzAuMCwiQm9yZGVyU3R5bGUiOnsiJGlkIjoiNTQ1IiwiTGluZUNvbG9yIjp7IiRpZCI6IjU0NiIsIiR0eXBlIjoiTkxSRS5Db21tb24uRG9tLlNvbGlkQ29sb3JCcnVzaCwgTkxSRS5Db21tb24iLCJDb2xvciI6eyIkaWQiOiI1NDciLCJBIjoyNTUsIlIiOjI1NSwiRyI6MCwiQiI6MH19LCJMaW5lV2VpZ2h0IjowLjAsIkxpbmVUeXBlIjowLCJQYXJlbnRTdHlsZSI6bnVsbH0sIlBhcmVudFN0eWxlIjpudWxsfSwiQm90dG9tVGllclNoYXBlU3R5bGUiOnsiJGlkIjoiNTQ4IiwiTWFyZ2luIjp7IiRpZCI6IjU0OSIsIlRvcCI6MC4wLCJMZWZ0IjoxMC4wLCJSaWdodCI6MTAuMCwiQm90dG9tIjowLjB9LCJQYWRkaW5nIjp7IiRpZCI6IjU1MCIsIlRvcCI6NS4wLCJMZWZ0IjoxMy4wLCJSaWdodCI6MTMuMCwiQm90dG9tIjo1LjB9LCJCYWNrZ3JvdW5kIjp7IiRpZCI6IjU1MSIsIkNvbG9yIjp7IiRpZCI6IjU1MiIsIkEiOjI1NSwiUiI6NjgsIkciOjg0LCJCIjoxMDZ9fSwiSXNWaXNpYmxlIjp0cnVlLCJXaWR0aCI6ODU4LjAsIkhlaWdodCI6MzAuMCwiQm9yZGVyU3R5bGUiOnsiJGlkIjoiNTUzIiwiTGluZUNvbG9yIjp7IiRpZCI6IjU1NCIsIiR0eXBlIjoiTkxSRS5Db21tb24uRG9tLlNvbGlkQ29sb3JCcnVzaCwgTkxSRS5Db21tb24iLCJDb2xvciI6eyIkaWQiOiI1NTUiLCJBIjoyNTUsIlIiOjI1NSwiRyI6MCwiQiI6MH19LCJMaW5lV2VpZ2h0IjowLjAsIkxpbmVUeXBlIjowLCJQYXJlbnRTdHlsZSI6bnVsbH0sIlBhcmVudFN0eWxlIjpudWxsfSwiUmlnaHRFbmRDYXBzU3R5bGUiOnsiJGlkIjoiNTU2IiwiRm9udFNldHRpbmdzIjp7IiRpZCI6IjU1NyIsIkZvbnRTaXplIjoxOCwiRm9udE5hbWUiOiJDYWxpYnJpIiwiSXNCb2xkIjp0cnVlLCJJc0l0YWxpYyI6ZmFsc2UsIklzVW5kZXJsaW5lZCI6ZmFsc2UsIlBhcmVudFN0eWxlIjpudWxsfSwiQXV0b1NpemUiOjAsIkZvcmVncm91bmQiOnsiJGlkIjoiNTU4IiwiQ29sb3IiOnsiJGlkIjoiNTU5IiwiQSI6MjU1LCJSIjoyMzcsIkciOjEyNSwiQiI6NDl9fSwiTWF4V2lkdGgiOiJJbmZpbml0eSIsIk1heEhlaWdodCI6IkluZmluaXR5IiwiU21hcnRGb3JlZ3JvdW5kSXNBY3RpdmUiOmZhbHNlLCJIb3Jpem9udGFsQWxpZ25tZW50IjowLCJWZXJ0aWNhbEFsaWdubWVudCI6MCwiU21hcnRGb3JlZ3JvdW5kIjpudWxsLCJCYWNrZ3JvdW5kRmlsbFR5cGUiOjAsIk1hcmdpbiI6eyIkaWQiOiI1NjAiLCJUb3AiOjAuMCwiTGVmdCI6MC4wLCJSaWdodCI6MjAuMCwiQm90dG9tIjowLjB9LCJQYWRkaW5nIjp7IiRpZCI6IjU2MSIsIlRvcCI6MC4wLCJMZWZ0IjowLjAsIlJpZ2h0IjowLjAsIkJvdHRvbSI6MC4wfSwiQmFja2dyb3VuZCI6eyIkaWQiOiI1NjIiLCJDb2xvciI6eyIkcmVmIjoiMTUifX0sIklzVmlzaWJsZSI6dHJ1ZSwiV2lkdGgiOjAuMCwiSGVpZ2h0IjowLjAsIkJvcmRlclN0eWxlIjpudWxsLCJQYXJlbnRTdHlsZSI6bnVsbH0sIkxlZnRFbmRDYXBzU3R5bGUiOnsiJGlkIjoiNTYzIiwiRm9udFNldHRpbmdzIjp7IiRpZCI6IjU2NCIsIkZvbnRTaXplIjoxOCwiRm9udE5hbWUiOiJDYWxpYnJpIiwiSXNCb2xkIjp0cnVlLCJJc0l0YWxpYyI6ZmFsc2UsIklzVW5kZXJsaW5lZCI6ZmFsc2UsIlBhcmVudFN0eWxlIjpudWxsfSwiQXV0b1NpemUiOjAsIkZvcmVncm91bmQiOnsiJGlkIjoiNTY1IiwiQ29sb3IiOnsiJGlkIjoiNTY2IiwiQSI6MjU1LCJSIjoyMzcsIkciOjEyNSwiQiI6NDl9fSwiTWF4V2lkdGgiOiJJbmZpbml0eSIsIk1heEhlaWdodCI6IkluZmluaXR5IiwiU21hcnRGb3JlZ3JvdW5kSXNBY3RpdmUiOmZhbHNlLCJIb3Jpem9udGFsQWxpZ25tZW50IjowLCJWZXJ0aWNhbEFsaWdubWVudCI6MCwiU21hcnRGb3JlZ3JvdW5kIjpudWxsLCJCYWNrZ3JvdW5kRmlsbFR5cGUiOjAsIk1hcmdpbiI6eyIkaWQiOiI1NjciLCJUb3AiOjAuMCwiTGVmdCI6MTE1LjUwNjY2NjY2NjY2NjY2LCJSaWdodCI6MC4wLCJCb3R0b20iOjAuMH0sIlBhZGRpbmciOnsiJGlkIjoiNTY4IiwiVG9wIjowLjAsIkxlZnQiOjAuMCwiUmlnaHQiOjAuMCwiQm90dG9tIjowLjB9LCJCYWNrZ3JvdW5kIjp7IiRpZCI6IjU2OSIsIkNvbG9yIjp7IiRyZWYiOiIxNSJ9fSwiSXNWaXNpYmxlIjpmYWxzZSwiV2lkdGgiOjAuMCwiSGVpZ2h0IjowLjAsIkJvcmRlclN0eWxlIjpudWxsLCJQYXJlbnRTdHlsZSI6bnVsbH0sIlRvZGF5VGV4dFN0eWxlIjp7IiRpZCI6IjU3MCIsIkZvbnRTZXR0aW5ncyI6eyIkaWQiOiI1NzEiLCJGb250U2l6ZSI6MTIsIkZvbnROYW1lIjoiQ2FsaWJyaSIsIklzQm9sZCI6ZmFsc2UsIklzSXRhbGljIjpmYWxzZSwiSXNVbmRlcmxpbmVkIjpmYWxzZSwiUGFyZW50U3R5bGUiOm51bGx9LCJBdXRvU2l6ZSI6MCwiRm9yZWdyb3VuZCI6eyIkaWQiOiI1NzIiLCJDb2xvciI6eyIkaWQiOiI1NzMiLCJBIjoyNTUsIlIiOjAsIkciOjAsIkIiOjB9fSwiTWF4V2lkdGgiOjIwMC4wLCJNYXhIZWlnaHQiOiJJbmZpbml0eSIsIlNtYXJ0Rm9yZWdyb3VuZElzQWN0aXZlIjpmYWxzZSwiSG9yaXpvbnRhbEFsaWdubWVudCI6MCwiVmVydGljYWxBbGlnbm1lbnQiOjAsIlNtYXJ0Rm9yZWdyb3VuZCI6bnVsbCwiQmFja2dyb3VuZEZpbGxUeXBlIjowLCJNYXJnaW4iOnsiJGlkIjoiNTc0IiwiVG9wIjowLjAsIkxlZnQiOjAuMCwiUmlnaHQiOjAuMCwiQm90dG9tIjowLjB9LCJQYWRkaW5nIjp7IiRpZCI6IjU3NSIsIlRvcCI6MC4wLCJMZWZ0IjowLjAsIlJpZ2h0IjowLjAsIkJvdHRvbSI6MC4wfSwiQmFja2dyb3VuZCI6eyIkaWQiOiI1NzYiLCJDb2xvciI6eyIkcmVmIjoiMTUifX0sIklzVmlzaWJsZSI6dHJ1ZSwiV2lkdGgiOjAuMCwiSGVpZ2h0IjowLjAsIkJvcmRlclN0eWxlIjpudWxsLCJQYXJlbnRTdHlsZSI6bnVsbH0sIlRvZGF5TWFya2VyU3R5bGUiOnsiJGlkIjoiNTc3IiwiTWFyZ2luIjp7IiRpZCI6IjU3OCIsIlRvcCI6MC4wLCJMZWZ0IjowLjAsIlJpZ2h0IjowLjAsIkJvdHRvbSI6MC4wfSwiUGFkZGluZyI6eyIkaWQiOiI1NzkiLCJUb3AiOjAuMCwiTGVmdCI6MC4wLCJSaWdodCI6MC4wLCJCb3R0b20iOjAuMH0sIkJhY2tncm91bmQiOnsiJGlkIjoiNTgwIiwiQ29sb3IiOnsiJGlkIjoiNTgxIiwiQSI6MjU1LCJSIjoyNTUsIkciOjAsIkIiOjB9fSwiSXNWaXNpYmxlIjp0cnVlLCJXaWR0aCI6MC4wLCJIZWlnaHQiOjAuMCwiQm9yZGVyU3R5bGUiOm51bGwsIlBhcmVudFN0eWxlIjpudWxsfSwiU2NhbGVTdHlsZSI6eyIkaWQiOiI1ODIiLCJTaGFwZSI6NCwiU2hvd1NlZ21lbnRTZXBhcmF0b3JzIjp0cnVlLCJTZWdtZW50U2VwYXJhdG9yT3BhY2l0eSI6MzAsIkhhc0JlZW5WaXNpYmxlQmVmb3JlIjp0cnVlLCJGb250U2V0dGluZ3MiOnsiJGlkIjoiNTgzIiwiRm9udFNpemUiOjEyLCJGb250TmFtZSI6IkNhbGlicmkiLCJJc0JvbGQiOmZhbHNlLCJJc0l0YWxpYyI6ZmFsc2UsIklzVW5kZXJsaW5lZCI6ZmFsc2UsIlBhcmVudFN0eWxlIjpudWxsfSwiQXV0b1NpemUiOjAsIkZvcmVncm91bmQiOnsiJGlkIjoiNTg0IiwiQ29sb3IiOnsiJGlkIjoiNTg1IiwiQSI6MjU1LCJSIjoyNTUsIkciOjI1NSwiQiI6MjU1fX0sIk1heFdpZHRoIjoyMDAuMCwiTWF4SGVpZ2h0IjoiSW5maW5pdHkiLCJTbWFydEZvcmVncm91bmRJc0FjdGl2ZSI6ZmFsc2UsIkhvcml6b250YWxBbGlnbm1lbnQiOjAsIlZlcnRpY2FsQWxpZ25tZW50IjoxLCJTbWFydEZvcmVncm91bmQiOm51bGwsIkJhY2tncm91bmRGaWxsVHlwZSI6MCwiTWFyZ2luIjp7IiRpZCI6IjU4NiIsIlRvcCI6MC4wLCJMZWZ0Ijo1LjAsIlJpZ2h0IjowLjAsIkJvdHRvbSI6MC4wfSwiUGFkZGluZyI6eyIkaWQiOiI1ODciLCJUb3AiOjAuMCwiTGVmdCI6MC4wLCJSaWdodCI6MC4wLCJCb3R0b20iOjAuMH0sIkJhY2tncm91bmQiOnsiJGlkIjoiNTg4IiwiQ29sb3IiOnsiJHJlZiI6IjE1In19LCJJc1Zpc2libGUiOnRydWUsIldpZHRoIjowLjAsIkhlaWdodCI6MC4wLCJCb3JkZXJTdHlsZSI6bnVsbCwiUGFyZW50U3R5bGUiOm51bGx9LCJTaW5nbGVTY2FsZVNoYXBlU3R5bGUiOnsiJGlkIjoiNTg5IiwiU2hhcGUiOjAsIkhlaWdodCI6MC4wfSwiTWlkZGxlVGllclNjYWxlU3R5bGUiOnsiJGlkIjoiNTkwIiwiU2hhcGUiOjQsIlNob3dTZWdtZW50U2VwYXJhdG9ycyI6dHJ1ZSwiU2VnbWVudFNlcGFyYXRvck9wYWNpdHkiOjMwLCJIYXNCZWVuVmlzaWJsZUJlZm9yZSI6ZmFsc2UsIkZvbnRTZXR0aW5ncyI6eyIkaWQiOiI1OTEiLCJGb250U2l6ZSI6MTIsIkZvbnROYW1lIjoiQ2FsaWJyaSIsIklzQm9sZCI6ZmFsc2UsIklzSXRhbGljIjpmYWxzZSwiSXNVbmRlcmxpbmVkIjpmYWxzZSwiUGFyZW50U3R5bGUiOm51bGx9LCJBdXRvU2l6ZSI6MCwiRm9yZWdyb3VuZCI6eyIkaWQiOiI1OTIiLCJDb2xvciI6eyIkaWQiOiI1OTMiLCJBIjoyNTUsIlIiOjI1NSwiRyI6MjU1LCJCIjoyNTV9fSwiTWF4V2lkdGgiOjIwMC4wLCJNYXhIZWlnaHQiOiJJbmZpbml0eSIsIlNtYXJ0Rm9yZWdyb3VuZElzQWN0aXZlIjpmYWxzZSwiSG9yaXpvbnRhbEFsaWdubWVudCI6MCwiVmVydGljYWxBbGlnbm1lbnQiOjEsIlNtYXJ0Rm9yZWdyb3VuZCI6bnVsbCwiQmFja2dyb3VuZEZpbGxUeXBlIjowLCJNYXJnaW4iOnsiJGlkIjoiNTk0IiwiVG9wIjowLjAsIkxlZnQiOjUuMCwiUmlnaHQiOjAuMCwiQm90dG9tIjowLjB9LCJQYWRkaW5nIjp7IiRpZCI6IjU5NSIsIlRvcCI6MC4wLCJMZWZ0IjowLjAsIlJpZ2h0IjowLjAsIkJvdHRvbSI6MC4wfSwiQmFja2dyb3VuZCI6eyIkaWQiOiI1OTYiLCJDb2xvciI6eyIkaWQiOiI1OTciLCJBIjowLCJSIjowLCJHIjowLCJCIjowfX0sIklzVmlzaWJsZSI6ZmFsc2UsIldpZHRoIjowLjAsIkhlaWdodCI6MC4wLCJCb3JkZXJTdHlsZSI6bnVsbCwiUGFyZW50U3R5bGUiOm51bGx9LCJCb3R0b21UaWVyU2NhbGVTdHlsZSI6eyIkaWQiOiI1OTgiLCJTaGFwZSI6NCwiU2hvd1NlZ21lbnRTZXBhcmF0b3JzIjp0cnVlLCJTZWdtZW50U2VwYXJhdG9yT3BhY2l0eSI6MzAsIkhhc0JlZW5WaXNpYmxlQmVmb3JlIjpmYWxzZSwiRm9udFNldHRpbmdzIjp7IiRpZCI6IjU5OSIsIkZvbnRTaXplIjoxMiwiRm9udE5hbWUiOiJDYWxpYnJpIiwiSXNCb2xkIjpmYWxzZSwiSXNJdGFsaWMiOmZhbHNlLCJJc1VuZGVybGluZWQiOmZhbHNlLCJQYXJlbnRTdHlsZSI6bnVsbH0sIkF1dG9TaXplIjowLCJGb3JlZ3JvdW5kIjp7IiRpZCI6IjYwMCIsIkNvbG9yIjp7IiRpZCI6IjYwMSIsIkEiOjI1NSwiUiI6MjU1LCJHIjoyNTUsIkIiOjI1NX19LCJNYXhXaWR0aCI6MjAwLjAsIk1heEhlaWdodCI6IkluZmluaXR5IiwiU21hcnRGb3JlZ3JvdW5kSXNBY3RpdmUiOmZhbHNlLCJIb3Jpem9udGFsQWxpZ25tZW50IjowLCJWZXJ0aWNhbEFsaWdubWVudCI6MSwiU21hcnRGb3JlZ3JvdW5kIjpudWxsLCJCYWNrZ3JvdW5kRmlsbFR5cGUiOjAsIk1hcmdpbiI6eyIkaWQiOiI2MDIiLCJUb3AiOjAuMCwiTGVmdCI6NS4wLCJSaWdodCI6MC4wLCJCb3R0b20iOjAuMH0sIlBhZGRpbmciOnsiJGlkIjoiNjAzIiwiVG9wIjowLjAsIkxlZnQiOjAuMCwiUmlnaHQiOjAuMCwiQm90dG9tIjowLjB9LCJCYWNrZ3JvdW5kIjp7IiRpZCI6IjYwNCIsIkNvbG9yIjp7IiRpZCI6IjYwNSIsIkEiOjAsIlIiOjAsIkciOjAsIkIiOjB9fSwiSXNWaXNpYmxlIjpmYWxzZSwiV2lkdGgiOjAuMCwiSGVpZ2h0IjowLjAsIkJvcmRlclN0eWxlIjpudWxsLCJQYXJlbnRTdHlsZSI6bnVsbH0sIkVsYXBzZWRUaW1lQmFja2dyb3VuZCI6eyIkaWQiOiI2MDYiLCJDb2xvciI6eyIkaWQiOiI2MDciLCJBIjo3NywiUiI6MjU1LCJHIjowLCJCIjowfX0sIkFwcGVuZFllYXJPblllYXJDaGFuZ2UiOnRydWUsIkVsYXBzZWRUaW1lRm9ybWF0IjoxLCJUb2RheU1hcmtlclBvc2l0aW9uIjozLCJRdWlja1Bvc2l0aW9uIjozLCJBYnNvbHV0ZVBvc2l0aW9uIjoyNDAuMCwiTWFyZ2luIjp7IiRpZCI6IjYwOCIsIlRvcCI6MC4wLCJMZWZ0IjoxMC4wLCJSaWdodCI6MTAuMCwiQm90dG9tIjowLjB9LCJQYWRkaW5nIjp7IiRpZCI6IjYwOSIsIlRvcCI6MC4wLCJMZWZ0IjowLjAsIlJpZ2h0IjowLjAsIkJvdHRvbSI6MC4wfSwiQmFja2dyb3VuZCI6eyIkaWQiOiI2MTAiLCJDb2xvciI6eyIkaWQiOiI2MTEiLCJBIjoyNTUsIlIiOjExNSwiRyI6MTE1LCJCIjoxMTV9fSwiSXNWaXNpYmxlIjp0cnVlLCJXaWR0aCI6MC4wLCJIZWlnaHQiOjAuMCwiQm9yZGVyU3R5bGUiOm51bGwsIlBhcmVudFN0eWxlIjpudWxsfSwiRGVmYXVsdE1pbGVzdG9uZVN0eWxlIjp7IiRpZCI6IjYxMiIsIlNoYXBlIjowLCJDb25uZWN0b3JNYXJnaW4iOnsiJGlkIjoiNjEzIiwiVG9wIjowLjAsIkxlZnQiOjIuMCwiUmlnaHQiOjIuMCwiQm90dG9tIjowLjB9LCJDb25uZWN0b3JTdHlsZSI6eyIkaWQiOiI2MTQiLCJMaW5lQ29sb3IiOnsiJGlkIjoiNjE1IiwiJHR5cGUiOiJOTFJFLkNvbW1vbi5Eb20uU29saWRDb2xvckJydXNoLCBOTFJFLkNvbW1vbiIsIkNvbG9yIjp7IiRpZCI6IjYxNiIsIkEiOjEyNywiUiI6MzEsIkciOjczLCJCIjoxMjZ9fSwiTGluZVdlaWdodCI6MS4wLCJMaW5lVHlwZSI6MCwiUGFyZW50U3R5bGUiOm51bGx9LCJJc0JlbG93VGltZWJhbmQiOmZhbHNlLCJQb3NpdGlvbk9uVGFzayI6MCwiSGlkZURhdGUiOmZhbHNlLCJTaGFwZVNpemUiOjEsIlNwYWNpbmciOjIuMCwiUGFkZGluZyI6eyIkaWQiOiI2MTciLCJUb3AiOjcuMCwiTGVmdCI6My4wLCJSaWdodCI6MC4wLCJCb3R0b20iOjIuMH0sIlNoYXBlU3R5bGUiOnsiJGlkIjoiNjE4IiwiTWFyZ2luIjp7IiRpZCI6IjYxOSIsIlRvcCI6MC4wLCJMZWZ0IjowLjAsIlJpZ2h0IjowLjAsIkJvdHRvbSI6MC4wfSwiUGFkZGluZyI6eyIkaWQiOiI2MjAiLCJUb3AiOjAuMCwiTGVmdCI6MC4wLCJSaWdodCI6MC4wLCJCb3R0b20iOjAuMH0sIkJhY2tncm91bmQiOnsiJGlkIjoiNjIxIiwiQ29sb3IiOnsiJGlkIjoiNjIyIiwiQSI6MjU1LCJSIjowLCJHIjoxMTQsIkIiOjE4OH19LCJJc1Zpc2libGUiOnRydWUsIldpZHRoIjoxOC4wLCJIZWlnaHQiOjIwLjAsIkJvcmRlclN0eWxlIjp7IiRpZCI6IjYyMyIsIkxpbmVDb2xvciI6eyIkaWQiOiI2MjQiLCIkdHlwZSI6Ik5MUkUuQ29tbW9uLkRvbS5Tb2xpZENvbG9yQnJ1c2gsIE5MUkUuQ29tbW9uIiwiQ29sb3IiOnsiJGlkIjoiNjI1IiwiQSI6MjU1LCJSIjoyNTUsIkciOjAsIkIiOjB9fSwiTGluZVdlaWdodCI6MC4wLCJMaW5lVHlwZSI6MCwiUGFyZW50U3R5bGUiOm51bGx9LCJQYXJlbnRTdHlsZSI6bnVsbH0sIlRpdGxlU3R5bGUiOnsiJGlkIjoiNjI2IiwiRm9udFNldHRpbmdzIjp7IiRpZCI6IjYyNyIsIkZvbnRTaXplIjoxMSwiRm9udE5hbWUiOiJDYWxpYnJpIiwiSXNCb2xkIjp0cnVlLCJJc0l0YWxpYyI6ZmFsc2UsIklzVW5kZXJsaW5lZCI6ZmFsc2UsIlBhcmVudFN0eWxlIjpudWxsfSwiQXV0b1NpemUiOjAsIkZvcmVncm91bmQiOnsiJGlkIjoiNjI4IiwiQ29sb3IiOnsiJGlkIjoiNjI5IiwiQSI6MjU1LCJSIjowLCJHIjowLCJCIjowfX0sIk1heFdpZHRoIjoyMDAuMCwiTWF4SGVpZ2h0IjoiSW5maW5pdHkiLCJTbWFydEZvcmVncm91bmRJc0FjdGl2ZSI6ZmFsc2UsIkhvcml6b250YWxBbGlnbm1lbnQiOjEsIlZlcnRpY2FsQWxpZ25tZW50IjowLCJTbWFydEZvcmVncm91bmQiOm51bGwsIkJhY2tncm91bmRGaWxsVHlwZSI6MCwiTWFyZ2luIjp7IiRpZCI6IjYzMCIsIlRvcCI6MC4wLCJMZWZ0IjowLjAsIlJpZ2h0IjowLjAsIkJvdHRvbSI6MC4wfSwiUGFkZGluZyI6eyIkaWQiOiI2MzEiLCJUb3AiOjAuMCwiTGVmdCI6MC4wLCJSaWdodCI6MC4wLCJCb3R0b20iOjAuMH0sIkJhY2tncm91bmQiOnsiJGlkIjoiNjMyIiwiQ29sb3IiOnsiJHJlZiI6IjE1In19LCJJc1Zpc2libGUiOnRydWUsIldpZHRoIjowLjAsIkhlaWdodCI6MC4wLCJCb3JkZXJTdHlsZSI6bnVsbCwiUGFyZW50U3R5bGUiOm51bGx9LCJEYXRlU3R5bGUiOnsiJGlkIjoiNjMzIiwiRm9udFNldHRpbmdzIjp7IiRpZCI6IjYzNCIsIkZvbnRTaXplIjoxMCwiRm9udE5hbWUiOiJDYWxpYnJpIiwiSXNCb2xkIjpmYWxzZSwiSXNJdGFsaWMiOmZhbHNlLCJJc1VuZGVybGluZWQiOmZhbHNlLCJQYXJlbnRTdHlsZSI6bnVsbH0sIkF1dG9TaXplIjowLCJGb3JlZ3JvdW5kIjp7IiRpZCI6IjYzNSIsIkNvbG9yIjp7IiRpZCI6IjYzNiIsIkEiOjI1NSwiUiI6NjgsIkciOjg0LCJCIjoxMDZ9fSwiTWF4V2lkdGgiOjIwMC4wLCJNYXhIZWlnaHQiOiJJbmZpbml0eSIsIlNtYXJ0Rm9yZWdyb3VuZElzQWN0aXZlIjpmYWxzZSwiSG9yaXpvbnRhbEFsaWdubWVudCI6MCwiVmVydGljYWxBbGlnbm1lbnQiOjAsIlNtYXJ0Rm9yZWdyb3VuZCI6bnVsbCwiQmFja2dyb3VuZEZpbGxUeXBlIjowLCJNYXJnaW4iOnsiJGlkIjoiNjM3IiwiVG9wIjowLjAsIkxlZnQiOjAuMCwiUmlnaHQiOjAuMCwiQm90dG9tIjowLjB9LCJQYWRkaW5nIjp7IiRpZCI6IjYzOCIsIlRvcCI6MC4wLCJMZWZ0IjowLjAsIlJpZ2h0IjowLjAsIkJvdHRvbSI6MC4wfSwiQmFja2dyb3VuZCI6eyIkaWQiOiI2MzkiLCJDb2xvciI6eyIkcmVmIjoiMTUifX0sIklzVmlzaWJsZSI6dHJ1ZSwiV2lkdGgiOjAuMCwiSGVpZ2h0IjowLjAsIkJvcmRlclN0eWxlIjpudWxsLCJQYXJlbnRTdHlsZSI6bnVsbH0sIkRhdGVGb3JtYXQiOnsiJGlkIjoiNjQwIiwiRm9ybWF0U3RyaW5nIjoiTU1NIGQiLCJTZXBhcmF0b3IiOiIvIiwiVXNlSW50ZXJuYXRpb25hbERhdGVGb3JtYXQiOmZhbHNlLCJEYXRlSXNWaXNpYmxlIjp0cnVlLCJUaW1lSXNWaXNpYmxlIjpmYWxzZSwiSG91ckRpZ2l0cyI6MSwiQW1QbURlc2lnbmF0b3IiOjIsIlRyaW0wME1pbnV0ZXMiOmZhbHNlLCJMYXN0S25vd25WaXNpYmlsaXR5U3RhdGUiOm51bGx9LCJXZWVrTnVtYmVyaW5nIjp7IiRpZCI6IjY0MSIsIkZvcm1hdCI6MCwiSXNWaXNpYmxlIjpmYWxzZSwiTGFzdEtub3duVmlzaWJpbGl0eVN0YXRlIjpmYWxzZX0sIklzVmlzaWJsZSI6dHJ1ZSwiUGFyZW50U3R5bGUiOm51bGx9LCJEZWZhdWx0VGFza1N0eWxlIjp7IiRpZCI6IjY0MiIsIlNoYXBlIjoyLCJTaGFwZVRoaWNrbmVzcyI6MSwiRHVyYXRpb25Gb3JtYXQiOjAsIkluY2x1ZGVOb25Xb3JraW5nRGF5c0luRHVyYXRpb24iOmZhbHNlLCJQZXJjZW50YWdlQ29tcGxldGVTdHlsZSI6eyIkaWQiOiI2NDMiLCJGb250U2V0dGluZ3MiOnsiJGlkIjoiNjQ0IiwiRm9udFNpemUiOjEwLCJGb250TmFtZSI6IkNhbGlicmkiLCJJc0JvbGQiOmZhbHNlLCJJc0l0YWxpYyI6ZmFsc2UsIklzVW5kZXJsaW5lZCI6ZmFsc2UsIlBhcmVudFN0eWxlIjpudWxsfSwiQXV0b1NpemUiOjAsIkZvcmVncm91bmQiOnsiJHJlZiI6IjEwIn0sIk1heFdpZHRoIjoyMDAuMCwiTWF4SGVpZ2h0IjoiSW5maW5pdHkiLCJTbWFydEZvcmVncm91bmRJc0FjdGl2ZSI6ZmFsc2UsIkhvcml6b250YWxBbGlnbm1lbnQiOjAsIlZlcnRpY2FsQWxpZ25tZW50IjowLCJTbWFydEZvcmVncm91bmQiOm51bGwsIkJhY2tncm91bmRGaWxsVHlwZSI6MCwiTWFyZ2luIjp7IiRyZWYiOiIxMiJ9LCJQYWRkaW5nIjp7IiRyZWYiOiIxMyJ9LCJCYWNrZ3JvdW5kIjp7IiRyZWYiOiIxNCJ9LCJJc1Zpc2libGUiOnRydWUsIldpZHRoIjowLjAsIkhlaWdodCI6MC4wLCJCb3JkZXJTdHlsZSI6bnVsbCwiUGFyZW50U3R5bGUiOm51bGx9LCJEdXJhdGlvblN0eWxlIjp7IiRpZCI6IjY0NSIsIkZvbnRTZXR0aW5ncyI6eyIkaWQiOiI2NDYiLCJGb250U2l6ZSI6MTAsIkZvbnROYW1lIjoiQ2FsaWJyaSIsIklzQm9sZCI6ZmFsc2UsIklzSXRhbGljIjpmYWxzZSwiSXNVbmRlcmxpbmVkIjpmYWxzZSwiUGFyZW50U3R5bGUiOm51bGx9LCJBdXRvU2l6ZSI6MCwiRm9yZWdyb3VuZCI6eyIkcmVmIjoiMTkifSwiTWF4V2lkdGgiOjIwMC4wLCJNYXhIZWlnaHQiOiJJbmZpbml0eSIsIlNtYXJ0Rm9yZWdyb3VuZElzQWN0aXZlIjpmYWxzZSwiSG9yaXpvbnRhbEFsaWdubWVudCI6MCwiVmVydGljYWxBbGlnbm1lbnQiOjAsIlNtYXJ0Rm9yZWdyb3VuZCI6bnVsbCwiQmFja2dyb3VuZEZpbGxUeXBlIjowLCJNYXJnaW4iOnsiJHJlZiI6IjIxIn0sIlBhZGRpbmciOnsiJHJlZiI6IjIyIn0sIkJhY2tncm91bmQiOnsiJHJlZiI6IjIzIn0sIklzVmlzaWJsZSI6dHJ1ZSwiV2lkdGgiOjAuMCwiSGVpZ2h0IjowLjAsIkJvcmRlclN0eWxlIjpudWxsLCJQYXJlbnRTdHlsZSI6bnVsbH0sIkhvcml6b250YWxDb25uZWN0b3JTdHlsZSI6eyIkaWQiOiI2NDciLCJMaW5lQ29sb3IiOnsiJHJlZiI6IjI2In0sIkxpbmVXZWlnaHQiOjEuMCwiTGluZVR5cGUiOjAsIlBhcmVudFN0eWxlIjpudWxsfSwiVmVydGljYWxDb25uZWN0b3JTdHlsZSI6eyIkaWQiOiI2NDgiLCJMaW5lQ29sb3IiOnsiJHJlZiI6IjI5In0sIkxpbmVXZWlnaHQiOjAuMCwiTGluZVR5cGUiOjAsIlBhcmVudFN0eWxlIjpudWxsfSwiTWFyZ2luIjpudWxsLCJTdGFydERhdGVQb3NpdGlvbiI6MywiRW5kRGF0ZVBvc2l0aW9uIjo0LCJEYXRlSXNWaXNpYmxlIjp0cnVlLCJUaXRsZVBvc2l0aW9uIjoyLCJEdXJhdGlvblBvc2l0aW9uIjo2LCJQZXJjZW50YWdlQ29tcGxldGVkUG9zaXRpb24iOjYsIlNwYWNpbmciOjUsIklzQmVsb3dUaW1lYmFuZCI6dHJ1ZSwiUGVyY2VudGFnZUNvbXBsZXRlU2hhcGVPcGFjaXR5IjozNSwiU2hhcGVTdHlsZSI6eyIkaWQiOiI2NDkiLCJNYXJnaW4iOnsiJHJlZiI6IjMyIn0sIlBhZGRpbmciOnsiJHJlZiI6IjMzIn0sIkJhY2tncm91bmQiOnsiJGlkIjoiNjUwIiwiQ29sb3IiOnsiJGlkIjoiNjUxIiwiQSI6MjU1LCJSIjowLCJHIjoxMTQsIkIiOjE4OH19LCJJc1Zpc2libGUiOnRydWUsIldpZHRoIjowLjAsIkhlaWdodCI6MTYuMCwiQm9yZGVyU3R5bGUiOnsiJGlkIjoiNjUyIiwiTGluZUNvbG9yIjp7IiRyZWYiOiI0NTgifSwiTGluZVdlaWdodCI6MC4wLCJMaW5lVHlwZSI6MCwiUGFyZW50U3R5bGUiOm51bGx9LCJQYXJlbnRTdHlsZSI6bnVsbH0sIlRpdGxlU3R5bGUiOnsiJGlkIjoiNjUzIiwiRm9udFNldHRpbmdzIjp7IiRpZCI6IjY1NCIsIkZvbnRTaXplIjoxMSwiRm9udE5hbWUiOiJDYWxpYnJpIiwiSXNCb2xkIjp0cnVlLCJJc0l0YWxpYyI6ZmFsc2UsIklzVW5kZXJsaW5lZCI6ZmFsc2UsIlBhcmVudFN0eWxlIjpudWxsfSwiQXV0b1NpemUiOjAsIkZvcmVncm91bmQiOnsiJHJlZiI6IjQ2MiJ9LCJNYXhXaWR0aCI6OTYwLjAsIk1heEhlaWdodCI6IkluZmluaXR5IiwiU21hcnRGb3JlZ3JvdW5kSXNBY3RpdmUiOmZhbHNlLCJIb3Jpem9udGFsQWxpZ25tZW50IjoxLCJWZXJ0aWNhbEFsaWdubWVudCI6MCwiU21hcnRGb3JlZ3JvdW5kIjpudWxsLCJCYWNrZ3JvdW5kRmlsbFR5cGUiOjAsIk1hcmdpbiI6eyIkcmVmIjoiNDMifSwiUGFkZGluZyI6eyIkcmVmIjoiNDQifSwiQmFja2dyb3VuZCI6eyIkcmVmIjoiNDY0In0sIklzVmlzaWJsZSI6dHJ1ZSwiV2lkdGgiOjAuMCwiSGVpZ2h0IjowLjAsIkJvcmRlclN0eWxlIjpudWxsLCJQYXJlbnRTdHlsZSI6bnVsbH0sIkRhdGVTdHlsZSI6eyIkaWQiOiI2NTUiLCJGb250U2V0dGluZ3MiOnsiJGlkIjoiNjU2IiwiRm9udFNpemUiOjEwLCJGb250TmFtZSI6IkNhbGlicmkiLCJJc0JvbGQiOmZhbHNlLCJJc0l0YWxpYyI6ZmFsc2UsIklzVW5kZXJsaW5lZCI6ZmFsc2UsIlBhcmVudFN0eWxlIjpudWxsfSwiQXV0b1NpemUiOjAsIkZvcmVncm91bmQiOnsiJHJlZiI6IjQ2OCJ9LCJNYXhXaWR0aCI6MjAwLjAsIk1heEhlaWdodCI6IkluZmluaXR5IiwiU21hcnRGb3JlZ3JvdW5kSXNBY3RpdmUiOmZhbHNlLCJIb3Jpem9udGFsQWxpZ25tZW50IjoxLCJWZXJ0aWNhbEFsaWdubWVudCI6MCwiU21hcnRGb3JlZ3JvdW5kIjpudWxsLCJCYWNrZ3JvdW5kRmlsbFR5cGUiOjAsIk1hcmdpbiI6eyIkcmVmIjoiNTIifSwiUGFkZGluZyI6eyIkcmVmIjoiNTMifSwiQmFja2dyb3VuZCI6eyIkcmVmIjoiNDcwIn0sIklzVmlzaWJsZSI6dHJ1ZSwiV2lkdGgiOjAuMCwiSGVpZ2h0IjowLjAsIkJvcmRlclN0eWxlIjpudWxsLCJQYXJlbnRTdHlsZSI6bnVsbH0sIkRhdGVGb3JtYXQiOnsiJHJlZiI6IjQ3MiJ9LCJXZWVrTnVtYmVyaW5nIjp7IiRpZCI6IjY1NyIsIkZvcm1hdCI6MCwiSXNWaXNpYmxlIjpmYWxzZSwiTGFzdEtub3duVmlzaWJpbGl0eVN0YXRlIjpmYWxzZX0sIklzVmlzaWJsZSI6dHJ1ZSwiUGFyZW50U3R5bGUiOm51bGwsIl9leHBsaWNpdGx5U2V0Ijp7IiRpZCI6IjY1OCIsIlNoYXBlU3R5bGUiOmZhbHNlLCJUaXRsZVN0eWxlIjpmYWxzZSwiRGF0ZVN0eWxlIjpmYWxzZSwiSG9yaXpvbnRhbENvbm5lY3RvclN0eWxlIjpmYWxzZSwiVmVydGljYWxDb25uZWN0b3JTdHlsZSI6ZmFsc2UsIlBlcmNlbnRhZ2VDb21wbGV0ZVNoYXBlT3BhY2l0eSI6ZmFsc2UsIlNoYXBlIjpmYWxzZSwiU2hhcGVUaGlja25lc3MiOmZhbHNlLCJEdXJhdGlvbkZvcm1hdCI6ZmFsc2UsIkluY2x1ZGVOb25Xb3JraW5nRGF5c0luRHVyYXRpb24iOmZhbHNlLCJNYXJnaW4iOmZhbHNlLCJTdGFydERhdGVQb3NpdGlvbiI6ZmFsc2UsIkVuZERhdGVQb3NpdGlvbiI6ZmFsc2UsIlRpdGxlUG9zaXRpb24iOmZhbHNlLCJEdXJhdGlvblBvc2l0aW9uIjpmYWxzZSwiUGVyY2VudGFnZUNvbXBsZXRlZFBvc2l0aW9uIjpmYWxzZSwiU3BhY2luZyI6ZmFsc2UsIklzQmVsb3dUaW1lYmFuZCI6ZmFsc2UsIkRhdGVGb3JtYXQiOmZhbHNlLCJXZWVrTnVtYmVyaW5nIjpmYWxzZSwiSXNWaXNpYmxlIjpmYWxzZX19LCJHcmlkbGluZVBhbmVsU3R5bGUiOnsiJGlkIjoiNjU5IiwiR3JpZGxpbmVTdHlsZSI6eyIkaWQiOiI2NjAiLCJMaW5lQ29sb3IiOnsiJGlkIjoiNjYxIiwiJHR5cGUiOiJOTFJFLkNvbW1vbi5Eb20uU29saWRDb2xvckJydXNoLCBOTFJFLkNvbW1vbiIsIkNvbG9yIjp7IiRpZCI6IjY2MiIsIkEiOjM4LCJSIjo5MSwiRyI6MTU1LCJCIjoyMTN9fSwiTGluZVdlaWdodCI6MS4wLCJMaW5lVHlwZSI6MCwiUGFyZW50U3R5bGUiOm51bGx9LCJNYXJnaW4iOnsiJGlkIjoiNjYzIiwiVG9wIjowLjAsIkxlZnQiOjAuMCwiUmlnaHQiOjAuMCwiQm90dG9tIjowLjB9LCJQYWRkaW5nIjp7IiRpZCI6IjY2NCIsIlRvcCI6MC4wLCJMZWZ0IjowLjAsIlJpZ2h0IjowLjAsIkJvdHRvbSI6MC4wfSwiQmFja2dyb3VuZCI6bnVsbCwiSXNWaXNpYmxlIjp0cnVlLCJXaWR0aCI6MC4wLCJIZWlnaHQiOjAuMCwiQm9yZGVyU3R5bGUiOnsiJGlkIjoiNjY1IiwiTGluZUNvbG9yIjpudWxsLCJMaW5lV2VpZ2h0IjowLjAsIkxpbmVUeXBlIjowLCJQYXJlbnRTdHlsZSI6bnVsbH0sIlBhcmVudFN0eWxlIjpudWxsfSwiQWN0aXZpdHlMaW5lUGFuZWxTdHlsZSI6eyIkaWQiOiI2NjYiLCJBY3Rpdml0eUxpbmVTdHlsZSI6eyIkaWQiOiI2NjciLCJMaW5lQ29sb3IiOnsiJGlkIjoiNjY4IiwiJHR5cGUiOiJOTFJFLkNvbW1vbi5Eb20uU29saWRDb2xvckJydXNoLCBOTFJFLkNvbW1vbiIsIkNvbG9yIjp7IiRpZCI6IjY2OSIsIkEiOjM4LCJSIjo2OCwiRyI6MTE0LCJCIjoxOTZ9fSwiTGluZVdlaWdodCI6MS4wLCJMaW5lVHlwZSI6MCwiUGFyZW50U3R5bGUiOm51bGx9LCJNYXJnaW4iOnsiJGlkIjoiNjcwIiwiVG9wIjowLjAsIkxlZnQiOjAuMCwiUmlnaHQiOjAuMCwiQm90dG9tIjowLjB9LCJQYWRkaW5nIjp7IiRpZCI6IjY3MSIsIlRvcCI6MC4wLCJMZWZ0IjowLjAsIlJpZ2h0IjowLjAsIkJvdHRvbSI6MC4wfSwiQmFja2dyb3VuZCI6bnVsbCwiSXNWaXNpYmxlIjp0cnVlLCJXaWR0aCI6MC4wLCJIZWlnaHQiOjAuMCwiQm9yZGVyU3R5bGUiOnsiJGlkIjoiNjcyIiwiTGluZUNvbG9yIjpudWxsLCJMaW5lV2VpZ2h0IjowLjAsIkxpbmVUeXBlIjowLCJQYXJlbnRTdHlsZSI6bnVsbH0sIlBhcmVudFN0eWxlIjpudWxsfSwiU2hvd0VsYXBzZWRUaW1lR3JhZGllbnRTdHlsZSI6ZmFsc2UsIlRpbWViYW5kUmVzZXJ2ZWRMZWZ0QXJlYVN0eWxlIjp7IiRpZCI6IjY3MyIsIkFjdGl2aXR5SGVhZGVyV2lkdGgiOjc2LjAsIklzU2V0IjpmYWxzZX0sIkRlZmF1bHRTd2ltbGFuZVN0eWxlIjpudWxsfSwiU2NhbGUiOm51bGwsIlNjYWxlVjIiOnsiJGlkIjoiNjc0IiwiU3RhcnREYXRlIjoiMDAwMS0wMS0wMVQwMDowMDowMCIsIkVuZERhdGUiOiIyMDIyLTA2LTMwVDIzOjU5OjAwIiwiQXV0b0RhdGVSYW5nZSI6dHJ1ZSwiV29ya2luZ0RheXMiOjMxLCJGaXNjYWxZZWFyIjp7IiRpZCI6IjY3NSIsIlN0YXJ0TW9udGgiOjEsIlVzZVN0YXJ0aW5nWWVhckZvck51bWJlcmluZyI6dHJ1ZSwiU2hvd0Zpc2NhbFllYXJMYWJlbCI6dHJ1ZX0sIlRvZGF5TWFya2VyVGV4dCI6IlRvZGF5IiwiQXV0b1NjYWxlVHlwZSI6dHJ1ZSwiVGltZWJhbmRTY2FsZXMiOnsiJGlkIjoiNjc2IiwiVG9wU2NhbGVMYXllciI6eyIkaWQiOiI2NzciLCJGb3JtYXQiOiJkIiwiVHlwZSI6MH0sIk1pZGRsZVNjYWxlTGF5ZXIiOnsiJGlkIjoiNjc4IiwiRm9ybWF0IjpudWxsLCJUeXBlIjowfSwiQm90dG9tU2NhbGVMYXllciI6eyIkaWQiOiI2NzkiLCJGb3JtYXQiOm51bGwsIlR5cGUiOjB9fX0sIk1pbGVzdG9uZXMiOltdLCJUYXNrcyI6W10sIlN3aW1sYW5lcyI6W10sIk1zUHJvamVjdEl0ZW1zVHJlZSI6eyIkaWQiOiI2ODAiLCJSb290Ijp7IkltcG9ydElkIjpudWxsLCJJc0ltcG9ydGVkIjpmYWxzZSwiQ2hpbGRyZW4iOltdfX0sIk1ldGFkYXRhIjp7IiRpZCI6IjY4MSIsIlNvdXJjZVRlbXBsYXRlIjoie1wiJGlkXCI6XCIxXCIsXCJJZFwiOlwiYzExZjZmNDktN2RiOC00NWZkLWJhMzItYmZjYWVhNDkyZjM5XCIsXCJDdWx0dXJlSW5mb05hbWVcIjpcImVuLVVTXCIsXCJWZXJzaW9uXCI6e1wiJGlkXCI6XCIyXCIsXCJUZW1wbGF0ZURvbVZlcnNpb25cIjpcIjEuMi4wXCJ9LFwiRWZmZWN0XCI6MSxcIlN0eWxlXCI6e1wiJGlkXCI6XCIzXCIsXCJUaW1lYmFuZFN0eWxlXCI6e1wiJGlkXCI6XCI0XCIsXCJTY2FsZU1hcmtpbmdcIjowLFwiU2hhcGVcIjoxMyxcIlNoYXBlU3R5bGVcIjp7XCIkaWRcIjpcIjVcIixcIk1hcmdpblwiOntcIiRpZFwiOlwiNlwiLFwiVG9wXCI6MC4wLFwiTGVmdFwiOjEwLjAsXCJSaWdodFwiOjEwLjAsXCJCb3R0b21cIjowLjB9LFwiUGFkZGluZ1wiOntcIiRpZFwiOlwiN1wiLFwiVG9wXCI6NS4wLFwiTGVmdFwiOjEzLjAsXCJSaWdodFwiOjEzLjAsXCJCb3R0b21cIjo1LjB9LFwiQmFja2dyb3VuZFwiOntcIiRpZFwiOlwiOFwiLFwiQ29sb3JcIjp7XCIkaWRcIjpcIjlcIixcIkFcIjoyNTUsXCJSXCI6NjgsXCJHXCI6ODQsXCJCXCI6MTA2fX0sXCJJc1Zpc2libGVcIjp0cnVlLFwiV2lkdGhcIjo4NTguMCxcIkhlaWdodFwiOjMwLjAsXCJCb3JkZXJTdHlsZVwiOntcIiRpZFwiOlwiMTBcIixcIkxpbmVDb2xvclwiOntcIiRpZFwiOlwiMTFcIixcIiR0eXBlXCI6XCJOTFJFLkNvbW1vbi5Eb20uU29saWRDb2xvckJydXNoLCBOTFJFLkNvbW1vblwiLFwiQ29sb3JcIjp7XCIkaWRcIjpcIjEyXCIsXCJBXCI6MjU1LFwiUlwiOjI1NSxcIkdcIjowLFwiQlwiOjB9fSxcIkxpbmVXZWlnaHRcIjowLjAsXCJMaW5lVHlwZVwiOjB9fSxcIk1pZGRsZVRpZXJTaGFwZVN0eWxlXCI6e1wiJGlkXCI6XCIxM1wiLFwiTWFyZ2luXCI6e1wiJGlkXCI6XCIxNFwiLFwiVG9wXCI6MC4wLFwiTGVmdFwiOjEwLjAsXCJSaWdodFwiOjEwLjAsXCJCb3R0b21cIjowLjB9LFwiUGFkZGluZ1wiOntcIiRpZFwiOlwiMTVcIixcIlRvcFwiOjUuMCxcIkxlZnRcIjoxMy4wLFwiUmlnaHRcIjoxMy4wLFwiQm90dG9tXCI6NS4wfSxcIkJhY2tncm91bmRcIjp7XCIkaWRcIjpcIjE2XCIsXCJDb2xvclwiOntcIiRpZFwiOlwiMTdcIixcIkFcIjoyNTUsXCJSXCI6NjgsXCJHXCI6ODQsXCJCXCI6MTA2fX0sXCJJc1Zpc2libGVcIjp0cnVlLFwiV2lkdGhcIjo4NTguMCxcIkhlaWdodFwiOjMwLjAsXCJCb3JkZXJTdHlsZVwiOntcIiRpZFwiOlwiMThcIixcIkxpbmVDb2xvclwiOntcIiRpZFwiOlwiMTlcIixcIiR0eXBlXCI6XCJOTFJFLkNvbW1vbi5Eb20uU29saWRDb2xvckJydXNoLCBOTFJFLkNvbW1vblwiLFwiQ29sb3JcIjp7XCIkaWRcIjpcIjIwXCIsXCJBXCI6MjU1LFwiUlwiOjI1NSxcIkdcIjowLFwiQlwiOjB9fSxcIkxpbmVXZWlnaHRcIjowLjAsXCJMaW5lVHlwZVwiOjB9fSxcIkJvdHRvbVRpZXJTaGFwZVN0eWxlXCI6e1wiJGlkXCI6XCIyMVwiLFwiTWFyZ2luXCI6e1wiJGlkXCI6XCIyMlwiLFwiVG9wXCI6MC4wLFwiTGVmdFwiOjEwLjAsXCJSaWdodFwiOjEwLjAsXCJCb3R0b21cIjowLjB9LFwiUGFkZGluZ1wiOntcIiRpZFwiOlwiMjNcIixcIlRvcFwiOjUuMCxcIkxlZnRcIjoxMy4wLFwiUmlnaHRcIjoxMy4wLFwiQm90dG9tXCI6NS4wfSxcIkJhY2tncm91bmRcIjp7XCIkaWRcIjpcIjI0XCIsXCJDb2xvclwiOntcIiRpZFwiOlwiMjVcIixcIkFcIjoyNTUsXCJSXCI6NjgsXCJHXCI6ODQsXCJCXCI6MTA2fX0sXCJJc1Zpc2libGVcIjp0cnVlLFwiV2lkdGhcIjo4NTguMCxcIkhlaWdodFwiOjMwLjAsXCJCb3JkZXJTdHlsZVwiOntcIiRpZFwiOlwiMjZcIixcIkxpbmVDb2xvclwiOntcIiRpZFwiOlwiMjdcIixcIiR0eXBlXCI6XCJOTFJFLkNvbW1vbi5Eb20uU29saWRDb2xvckJydXNoLCBOTFJFLkNvbW1vblwiLFwiQ29sb3JcIjp7XCIkaWRcIjpcIjI4XCIsXCJBXCI6MjU1LFwiUlwiOjI1NSxcIkdcIjowLFwiQlwiOjB9fSxcIkxpbmVXZWlnaHRcIjowLjAsXCJMaW5lVHlwZVwiOjB9fSxcIlJpZ2h0RW5kQ2Fwc1N0eWxlXCI6e1wiJGlkXCI6XCIyOVwiLFwiRm9udFNldHRpbmdzXCI6e1wiJGlkXCI6XCIzMFwiLFwiRm9udFNpemVcIjoxOCxcIkZvbnROYW1lXCI6XCJDYWxpYnJpXCIsXCJJc0JvbGRcIjp0cnVlLFwiSXNJdGFsaWNcIjpmYWxzZSxcIklzVW5kZXJsaW5lZFwiOmZhbHNlfSxcIkF1dG9TaXplXCI6MCxcIkZvcmVncm91bmRcIjp7XCIkaWRcIjpcIjMxXCIsXCJDb2xvclwiOntcIiRpZFwiOlwiMzJcIixcIkFcIjoyNTUsXCJSXCI6MjM3LFwiR1wiOjEyNSxcIkJcIjo0OX19LFwiQmFja2dyb3VuZEZpbGxUeXBlXCI6MCxcIk1heFdpZHRoXCI6XCJJbmZpbml0eVwiLFwiTWF4SGVpZ2h0XCI6XCJJbmZpbml0eVwiLFwiU21hcnRGb3JlZ3JvdW5kSXNBY3RpdmVcIjpmYWxzZSxcIkhvcml6b250YWxBbGlnbm1lbnRcIjowLFwiVmVydGljYWxBbGlnbm1lbnRcIjowLFwiU21hcnRGb3JlZ3JvdW5kXCI6bnVsbCxcIk1hcmdpblwiOntcIiRpZFwiOlwiMzNcIixcIlRvcFwiOjAuMCxcIkxlZnRcIjowLjAsXCJSaWdodFwiOjIwLjAsXCJCb3R0b21cIjowLjB9LFwiUGFkZGluZ1wiOntcIiRpZFwiOlwiMzRcIixcIlRvcFwiOjAuMCxcIkxlZnRcIjowLjAsXCJSaWdodFwiOjAuMCxcIkJvdHRvbVwiOjAuMH0sXCJCYWNrZ3JvdW5kXCI6e1wiJGlkXCI6XCIzNVwiLFwiQ29sb3JcIjp7XCIkaWRcIjpcIjM2XCIsXCJBXCI6MCxcIlJcIjowLFwiR1wiOjAsXCJCXCI6MH19LFwiSXNWaXNpYmxlXCI6dHJ1ZSxcIldpZHRoXCI6MC4wLFwiSGVpZ2h0XCI6MC4wLFwiQm9yZGVyU3R5bGVcIjpudWxsfSxcIkxlZnRFbmRDYXBzU3R5bGVcIjp7XCIkaWRcIjpcIjM3XCIsXCJGb250U2V0dGluZ3NcIjp7XCIkaWRcIjpcIjM4XCIsXCJGb250U2l6ZVwiOjE4LFwiRm9udE5hbWVcIjpcIkNhbGlicmlcIixcIklzQm9sZFwiOnRydWUsXCJJc0l0YWxpY1wiOmZhbHNlLFwiSXNVbmRlcmxpbmVkXCI6ZmFsc2V9LFwiQXV0b1NpemVcIjowLFwiRm9yZWdyb3VuZFwiOntcIiRpZFwiOlwiMzlcIixcIkNvbG9yXCI6e1wiJGlkXCI6XCI0MFwiLFwiQVwiOjI1NSxcIlJcIjoyMzcsXCJHXCI6MTI1LFwiQlwiOjQ5fX0sXCJCYWNrZ3JvdW5kRmlsbFR5cGVcIjowLFwiTWF4V2lkdGhcIjpcIkluZmluaXR5XCIsXCJNYXhIZWlnaHRcIjpcIkluZmluaXR5XCIsXCJTbWFydEZvcmVncm91bmRJc0FjdGl2ZVwiOmZhbHNlLFwiSG9yaXpvbnRhbEFsaWdubWVudFwiOjAsXCJWZXJ0aWNhbEFsaWdubWVudFwiOjAsXCJTbWFydEZvcmVncm91bmRcIjpudWxsLFwiTWFyZ2luXCI6e1wiJGlkXCI6XCI0MVwiLFwiVG9wXCI6MC4wLFwiTGVmdFwiOjIwLjAsXCJSaWdodFwiOjAuMCxcIkJvdHRvbVwiOjAuMH0sXCJQYWRkaW5nXCI6e1wiJGlkXCI6XCI0MlwiLFwiVG9wXCI6MC4wLFwiTGVmdFwiOjAuMCxcIlJpZ2h0XCI6MC4wLFwiQm90dG9tXCI6MC4wfSxcIkJhY2tncm91bmRcIjp7XCIkaWRcIjpcIjQzXCIsXCJDb2xvclwiOntcIiRyZWZcIjpcIjM2XCJ9fSxcIklzVmlzaWJsZVwiOmZhbHNlLFwiV2lkdGhcIjowLjAsXCJIZWlnaHRcIjowLjAsXCJCb3JkZXJTdHlsZVwiOm51bGx9LFwiVG9kYXlUZXh0U3R5bGVcIjp7XCIkaWRcIjpcIjQ0XCIsXCJGb250U2V0dGluZ3NcIjp7XCIkaWRcIjpcIjQ1XCIsXCJGb250U2l6ZVwiOjEyLFwiRm9udE5hbWVcIjpcIkNhbGlicmlcIixcIklzQm9sZFwiOmZhbHNlLFwiSXNJdGFsaWNcIjpmYWxzZSxcIklzVW5kZXJsaW5lZFwiOmZhbHNlfSxcIkF1dG9TaXplXCI6MCxcIkZvcmVncm91bmRcIjp7XCIkaWRcIjpcIjQ2XCIsXCJDb2xvclwiOntcIiRpZFwiOlwiNDdcIixcIkFcIjoyNTUsXCJSXCI6MCxcIkdcIjowLFwiQlwiOjB9fSxcIkJhY2tncm91bmRGaWxsVHlwZVwiOjAsXCJNYXhXaWR0aFwiOjIwMC4wLFwiTWF4SGVpZ2h0XCI6XCJJbmZpbml0eVwiLFwiU21hcnRGb3JlZ3JvdW5kSXNBY3RpdmVcIjpmYWxzZSxcIkhvcml6b250YWxBbGlnbm1lbnRcIjowLFwiVmVydGljYWxBbGlnbm1lbnRcIjowLFwiU21hcnRGb3JlZ3JvdW5kXCI6bnVsbCxcIk1hcmdpblwiOntcIiRpZFwiOlwiNDhcIixcIlRvcFwiOjAuMCxcIkxlZnRcIjowLjAsXCJSaWdodFwiOjAuMCxcIkJvdHRvbVwiOjAuMH0sXCJQYWRkaW5nXCI6e1wiJGlkXCI6XCI0OVwiLFwiVG9wXCI6MC4wLFwiTGVmdFwiOjAuMCxcIlJpZ2h0XCI6MC4wLFwiQm90dG9tXCI6MC4wfSxcIkJhY2tncm91bmRcIjp7XCIkaWRcIjpcIjUwXCIsXCJDb2xvclwiOntcIiRyZWZcIjpcIjM2XCJ9fSxcIklzVmlzaWJsZVwiOnRydWUsXCJXaWR0aFwiOjAuMCxcIkhlaWdodFwiOjAuMCxcIkJvcmRlclN0eWxlXCI6bnVsbH0sXCJUb2RheU1hcmtlclN0eWxlXCI6e1wiJGlkXCI6XCI1MVwiLFwiTWFyZ2luXCI6e1wiJGlkXCI6XCI1MlwiLFwiVG9wXCI6MC4wLFwiTGVmdFwiOjAuMCxcIlJpZ2h0XCI6MC4wLFwiQm90dG9tXCI6MC4wfSxcIlBhZGRpbmdcIjp7XCIkaWRcIjpcIjUzXCIsXCJUb3BcIjowLjAsXCJMZWZ0XCI6MC4wLFwiUmlnaHRcIjowLjAsXCJCb3R0b21cIjowLjB9LFwiQmFja2dyb3VuZFwiOntcIiRpZFwiOlwiNTRcIixcIkNvbG9yXCI6e1wiJGlkXCI6XCI1NVwiLFwiQVwiOjI1NSxcIlJcIjoyNTUsXCJHXCI6MCxcIkJcIjowfX0sXCJJc1Zpc2libGVcIjp0cnVlLFwiV2lkdGhcIjowLjAsXCJIZWlnaHRcIjowLjAsXCJCb3JkZXJTdHlsZVwiOm51bGx9LFwiU2NhbGVTdHlsZVwiOntcIiRpZFwiOlwiNTZcIixcIlNob3dTZWdtZW50U2VwYXJhdG9yc1wiOnRydWUsXCJTZWdtZW50U2VwYXJhdG9yT3BhY2l0eVwiOjMwLFwiU2hhcGVcIjo0LFwiSGFzQmVlblZpc2libGVCZWZvcmVcIjp0cnVlLFwiRm9udFNldHRpbmdzXCI6e1wiJGlkXCI6XCI1N1wiLFwiRm9udFNpemVcIjoxMixcIkZvbnROYW1lXCI6XCJDYWxpYnJpXCIsXCJJc0JvbGRcIjpmYWxzZSxcIklzSXRhbGljXCI6ZmFsc2UsXCJJc1VuZGVybGluZWRcIjpmYWxzZX0sXCJBdXRvU2l6ZVwiOjAsXCJGb3JlZ3JvdW5kXCI6e1wiJGlkXCI6XCI1OFwiLFwiQ29sb3JcIjp7XCIkaWRcIjpcIjU5XCIsXCJBXCI6MjU1LFwiUlwiOjI1NSxcIkdcIjoyNTUsXCJCXCI6MjU1fX0sXCJCYWNrZ3JvdW5kRmlsbFR5cGVcIjowLFwiTWF4V2lkdGhcIjoyMDAuMCxcIk1heEhlaWdodFwiOlwiSW5maW5pdHlcIixcIlNtYXJ0Rm9yZWdyb3VuZElzQWN0aXZlXCI6ZmFsc2UsXCJIb3Jpem9udGFsQWxpZ25tZW50XCI6MCxcIlZlcnRpY2FsQWxpZ25tZW50XCI6MSxcIlNtYXJ0Rm9yZWdyb3VuZFwiOm51bGwsXCJNYXJnaW5cIjp7XCIkaWRcIjpcIjYwXCIsXCJUb3BcIjowLjAsXCJMZWZ0XCI6NS4wLFwiUmlnaHRcIjowLjAsXCJCb3R0b21cIjowLjB9LFwiUGFkZGluZ1wiOntcIiRpZFwiOlwiNjFcIixcIlRvcFwiOjAuMCxcIkxlZnRcIjowLjAsXCJSaWdodFwiOjAuMCxcIkJvdHRvbVwiOjAuMH0sXCJCYWNrZ3JvdW5kXCI6e1wiJGlkXCI6XCI2MlwiLFwiQ29sb3JcIjp7XCIkcmVmXCI6XCIzNlwifX0sXCJJc1Zpc2libGVcIjp0cnVlLFwiV2lkdGhcIjowLjAsXCJIZWlnaHRcIjowLjAsXCJCb3JkZXJTdHlsZVwiOm51bGx9LFwiTWlkZGxlVGllclNjYWxlU3R5bGVcIjp7XCIkaWRcIjpcIjYzXCIsXCJTaG93U2VnbWVudFNlcGFyYXRvcnNcIjp0cnVlLFwiU2VnbWVudFNlcGFyYXRvck9wYWNpdHlcIjozMCxcIlNoYXBlXCI6NCxcIkhhc0JlZW5WaXNpYmxlQmVmb3JlXCI6ZmFsc2UsXCJGb250U2V0dGluZ3NcIjp7XCIkaWRcIjpcIjY0XCIsXCJGb250U2l6ZVwiOjEyLFwiRm9udE5hbWVcIjpcIkNhbGlicmlcIixcIklzQm9sZFwiOmZhbHNlLFwiSXNJdGFsaWNcIjpmYWxzZSxcIklzVW5kZXJsaW5lZFwiOmZhbHNlfSxcIkF1dG9TaXplXCI6MCxcIkZvcmVncm91bmRcIjp7XCIkaWRcIjpcIjY1XCIsXCJDb2xvclwiOntcIiRpZFwiOlwiNjZcIixcIkFcIjoyNTUsXCJSXCI6MjU1LFwiR1wiOjI1NSxcIkJcIjoyNTV9fSxcIkJhY2tncm91bmRGaWxsVHlwZVwiOjAsXCJNYXhXaWR0aFwiOjIwMC4wLFwiTWF4SGVpZ2h0XCI6XCJJbmZpbml0eVwiLFwiU21hcnRGb3JlZ3JvdW5kSXNBY3RpdmVcIjpmYWxzZSxcIkhvcml6b250YWxBbGlnbm1lbnRcIjowLFwiVmVydGljYWxBbGlnbm1lbnRcIjoxLFwiU21hcnRGb3JlZ3JvdW5kXCI6bnVsbCxcIk1hcmdpblwiOntcIiRpZFwiOlwiNjdcIixcIlRvcFwiOjAuMCxcIkxlZnRcIjo1LjAsXCJSaWdodFwiOjAuMCxcIkJvdHRvbVwiOjAuMH0sXCJQYWRkaW5nXCI6e1wiJGlkXCI6XCI2OFwiLFwiVG9wXCI6MC4wLFwiTGVmdFwiOjAuMCxcIlJpZ2h0XCI6MC4wLFwiQm90dG9tXCI6MC4wfSxcIkJhY2tncm91bmRcIjp7XCIkaWRcIjpcIjY5XCIsXCJDb2xvclwiOntcIiRpZFwiOlwiNzBcIixcIkFcIjowLFwiUlwiOjAsXCJHXCI6MCxcIkJcIjowfX0sXCJJc1Zpc2libGVcIjpmYWxzZSxcIldpZHRoXCI6MC4wLFwiSGVpZ2h0XCI6MC4wLFwiQm9yZGVyU3R5bGVcIjpudWxsfSxcIkJvdHRvbVRpZXJTY2FsZVN0eWxlXCI6e1wiJGlkXCI6XCI3MVwiLFwiU2hvd1NlZ21lbnRTZXBhcmF0b3JzXCI6dHJ1ZSxcIlNlZ21lbnRTZXBhcmF0b3JPcGFjaXR5XCI6MzAsXCJTaGFwZVwiOjQsXCJIYXNCZWVuVmlzaWJsZUJlZm9yZVwiOmZhbHNlLFwiRm9udFNldHRpbmdzXCI6e1wiJGlkXCI6XCI3MlwiLFwiRm9udFNpemVcIjoxMixcIkZvbnROYW1lXCI6XCJDYWxpYnJpXCIsXCJJc0JvbGRcIjpmYWxzZSxcIklzSXRhbGljXCI6ZmFsc2UsXCJJc1VuZGVybGluZWRcIjpmYWxzZX0sXCJBdXRvU2l6ZVwiOjAsXCJGb3JlZ3JvdW5kXCI6e1wiJGlkXCI6XCI3M1wiLFwiQ29sb3JcIjp7XCIkaWRcIjpcIjc0XCIsXCJBXCI6MjU1LFwiUlwiOjI1NSxcIkdcIjoyNTUsXCJCXCI6MjU1fX0sXCJCYWNrZ3JvdW5kRmlsbFR5cGVcIjowLFwiTWF4V2lkdGhcIjoyMDAuMCxcIk1heEhlaWdodFwiOlwiSW5maW5pdHlcIixcIlNtYXJ0Rm9yZWdyb3VuZElzQWN0aXZlXCI6ZmFsc2UsXCJIb3Jpem9udGFsQWxpZ25tZW50XCI6MCxcIlZlcnRpY2FsQWxpZ25tZW50XCI6MSxcIlNtYXJ0Rm9yZWdyb3VuZFwiOm51bGwsXCJNYXJnaW5cIjp7XCIkaWRcIjpcIjc1XCIsXCJUb3BcIjowLjAsXCJMZWZ0XCI6NS4wLFwiUmlnaHRcIjowLjAsXCJCb3R0b21cIjowLjB9LFwiUGFkZGluZ1wiOntcIiRpZFwiOlwiNzZcIixcIlRvcFwiOjAuMCxcIkxlZnRcIjowLjAsXCJSaWdodFwiOjAuMCxcIkJvdHRvbVwiOjAuMH0sXCJCYWNrZ3JvdW5kXCI6e1wiJGlkXCI6XCI3N1wiLFwiQ29sb3JcIjp7XCIkaWRcIjpcIjc4XCIsXCJBXCI6MCxcIlJcIjowLFwiR1wiOjAsXCJCXCI6MH19LFwiSXNWaXNpYmxlXCI6ZmFsc2UsXCJXaWR0aFwiOjAuMCxcIkhlaWdodFwiOjAuMCxcIkJvcmRlclN0eWxlXCI6bnVsbH0sXCJTaW5nbGVTY2FsZVNoYXBlU3R5bGVcIjpudWxsLFwiRWxhcHNlZFRpbWVCYWNrZ3JvdW5kXCI6e1wiJGlkXCI6XCI3OVwiLFwiQ29sb3JcIjp7XCIkaWRcIjpcIjgwXCIsXCJBXCI6NzcsXCJSXCI6MjU1LFwiR1wiOjAsXCJCXCI6MH19LFwiQXBwZW5kWWVhck9uWWVhckNoYW5nZVwiOnRydWUsXCJFbGFwc2VkVGltZUZvcm1hdFwiOjEsXCJUb2RheU1hcmtlclBvc2l0aW9uXCI6MyxcIlF1aWNrUG9zaXRpb25cIjoxLFwiQWJzb2x1dGVQb3NpdGlvblwiOjI0MC4wLFwiTWFyZ2luXCI6e1wiJGlkXCI6XCI4MVwiLFwiVG9wXCI6MC4wLFwiTGVmdFwiOjEwLjAsXCJSaWdodFwiOjEwLjAsXCJCb3R0b21cIjowLjB9LFwiUGFkZGluZ1wiOntcIiRpZFwiOlwiODJcIixcIlRvcFwiOjAuMCxcIkxlZnRcIjowLjAsXCJSaWdodFwiOjAuMCxcIkJvdHRvbVwiOjAuMH0sXCJCYWNrZ3JvdW5kXCI6e1wiJGlkXCI6XCI4M1wiLFwiQ29sb3JcIjp7XCIkaWRcIjpcIjg0XCIsXCJBXCI6MjU1LFwiUlwiOjExNSxcIkdcIjoxMTUsXCJCXCI6MTE1fX0sXCJJc1Zpc2libGVcIjp0cnVlLFwiV2lkdGhcIjowLjAsXCJIZWlnaHRcIjowLjAsXCJCb3JkZXJTdHlsZVwiOm51bGx9LFwiRGVmYXVsdE1pbGVzdG9uZVN0eWxlXCI6e1wiJGlkXCI6XCI4NVwiLFwiU2hhcGVcIjowLFwiQ29ubmVjdG9yTWFyZ2luXCI6e1wiJGlkXCI6XCI4NlwiLFwiVG9wXCI6MC4wLFwiTGVmdFwiOjIuMCxcIlJpZ2h0XCI6Mi4wLFwiQm90dG9tXCI6MC4wfSxcIkNvbm5lY3RvclN0eWxlXCI6e1wiJGlkXCI6XCI4N1wiLFwiTGluZUNvbG9yXCI6e1wiJGlkXCI6XCI4OFwiLFwiJHR5cGVcIjpcIk5MUkUuQ29tbW9uLkRvbS5Tb2xpZENvbG9yQnJ1c2gsIE5MUkUuQ29tbW9uXCIsXCJDb2xvclwiOntcIiRpZFwiOlwiODlcIixcIkFcIjoxMjcsXCJSXCI6MzEsXCJHXCI6NzMsXCJCXCI6MTI2fX0sXCJMaW5lV2VpZ2h0XCI6MS4wLFwiTGluZVR5cGVcIjowfSxcIklzQmVsb3dUaW1lYmFuZFwiOmZhbHNlLFwiSGlkZURhdGVcIjpmYWxzZSxcIlNoYXBlU2l6ZVwiOjEsXCJTcGFjaW5nXCI6Mi4wLFwiUGFkZGluZ1wiOntcIiRpZFwiOlwiOTBcIixcIlRvcFwiOjcuMCxcIkxlZnRcIjozLjAsXCJSaWdodFwiOjAuMCxcIkJvdHRvbVwiOjIuMH0sXCJQb3NpdGlvblwiOm51bGwsXCJQb3NpdGlvbk9uVGFza1wiOjAsXCJTaGFwZVN0eWxlXCI6e1wiJGlkXCI6XCI5MVwiLFwiTWFyZ2luXCI6e1wiJGlkXCI6XCI5MlwiLFwiVG9wXCI6MC4wLFwiTGVmdFwiOjAuMCxcIlJpZ2h0XCI6MC4wLFwiQm90dG9tXCI6MC4wfSxcIlBhZGRpbmdcIjp7XCIkaWRcIjpcIjkzXCIsXCJUb3BcIjowLjAsXCJMZWZ0XCI6MC4wLFwiUmlnaHRcIjowLjAsXCJCb3R0b21cIjowLjB9LFwiQmFja2dyb3VuZFwiOntcIiRpZFwiOlwiOTRcIixcIkNvbG9yXCI6e1wiJGlkXCI6XCI5NVwiLFwiQVwiOjI1NSxcIlJcIjowLFwiR1wiOjExNCxcIkJcIjoxODh9fSxcIklzVmlzaWJsZVwiOnRydWUsXCJXaWR0aFwiOjE4LjAsXCJIZWlnaHRcIjoyMC4wLFwiQm9yZGVyU3R5bGVcIjp7XCIkaWRcIjpcIjk2XCIsXCJMaW5lQ29sb3JcIjp7XCIkaWRcIjpcIjk3XCIsXCIkdHlwZVwiOlwiTkxSRS5Db21tb24uRG9tLlNvbGlkQ29sb3JCcnVzaCwgTkxSRS5Db21tb25cIixcIkNvbG9yXCI6e1wiJGlkXCI6XCI5OFwiLFwiQVwiOjI1NSxcIlJcIjoyNTUsXCJHXCI6MCxcIkJcIjowfX0sXCJMaW5lV2VpZ2h0XCI6MC4wLFwiTGluZVR5cGVcIjowfX0sXCJUaXRsZVN0eWxlXCI6e1wiJGlkXCI6XCI5OVwiLFwiRm9udFNldHRpbmdzXCI6e1wiJGlkXCI6XCIxMDBcIixcIkZvbnRTaXplXCI6MTEsXCJGb250TmFtZVwiOlwiQ2FsaWJyaVwiLFwiSXNCb2xkXCI6dHJ1ZSxcIklzSXRhbGljXCI6ZmFsc2UsXCJJc1VuZGVybGluZWRcIjpmYWxzZX0sXCJBdXRvU2l6ZVwiOjAsXCJGb3JlZ3JvdW5kXCI6e1wiJGlkXCI6XCIxMDFcIixcIkNvbG9yXCI6e1wiJGlkXCI6XCIxMDJcIixcIkFcIjoyNTUsXCJSXCI6MCxcIkdcIjowLFwiQlwiOjB9fSxcIkJhY2tncm91bmRGaWxsVHlwZVwiOjAsXCJNYXhXaWR0aFwiOjIwMC4wLFwiTWF4SGVpZ2h0XCI6XCJJbmZpbml0eVwiLFwiU21hcnRGb3JlZ3JvdW5kSXNBY3RpdmVcIjpmYWxzZSxcIkhvcml6b250YWxBbGlnbm1lbnRcIjoxLFwiVmVydGljYWxBbGlnbm1lbnRcIjowLFwiU21hcnRGb3JlZ3JvdW5kXCI6bnVsbCxcIk1hcmdpblwiOntcIiRpZFwiOlwiMTAzXCIsXCJUb3BcIjowLjAsXCJMZWZ0XCI6MC4wLFwiUmlnaHRcIjowLjAsXCJCb3R0b21cIjowLjB9LFwiUGFkZGluZ1wiOntcIiRpZFwiOlwiMTA0XCIsXCJUb3BcIjowLjAsXCJMZWZ0XCI6MC4wLFwiUmlnaHRcIjowLjAsXCJCb3R0b21cIjowLjB9LFwiQmFja2dyb3VuZFwiOntcIiRpZFwiOlwiMTA1XCIsXCJDb2xvclwiOntcIiRyZWZcIjpcIjM2XCJ9fSxcIklzVmlzaWJsZVwiOnRydWUsXCJXaWR0aFwiOjAuMCxcIkhlaWdodFwiOjAuMCxcIkJvcmRlclN0eWxlXCI6bnVsbH0sXCJEYXRlU3R5bGVcIjp7XCIkaWRcIjpcIjEwNlwiLFwiRm9udFNldHRpbmdzXCI6e1wiJGlkXCI6XCIxMDdcIixcIkZvbnRTaXplXCI6MTAsXCJGb250TmFtZVwiOlwiQ2FsaWJyaVwiLFwiSXNCb2xkXCI6ZmFsc2UsXCJJc0l0YWxpY1wiOmZhbHNlLFwiSXNVbmRlcmxpbmVkXCI6ZmFsc2V9LFwiQXV0b1NpemVcIjowLFwiRm9yZWdyb3VuZFwiOntcIiRpZFwiOlwiMTA4XCIsXCJDb2xvclwiOntcIiRpZFwiOlwiMTA5XCIsXCJBXCI6MjU1LFwiUlwiOjY4LFwiR1wiOjg0LFwiQlwiOjEwNn19LFwiQmFja2dyb3VuZEZpbGxUeXBlXCI6MCxcIk1heFdpZHRoXCI6MjAwLjAsXCJNYXhIZWlnaHRcIjpcIkluZmluaXR5XCIsXCJTbWFydEZvcmVncm91bmRJc0FjdGl2ZVwiOmZhbHNlLFwiSG9yaXpvbnRhbEFsaWdubWVudFwiOjAsXCJWZXJ0aWNhbEFsaWdubWVudFwiOjAsXCJTbWFydEZvcmVncm91bmRcIjpudWxsLFwiTWFyZ2luXCI6e1wiJGlkXCI6XCIxMTBcIixcIlRvcFwiOjAuMCxcIkxlZnRcIjowLjAsXCJSaWdodFwiOjAuMCxcIkJvdHRvbVwiOjAuMH0sXCJQYWRkaW5nXCI6e1wiJGlkXCI6XCIxMTFcIixcIlRvcFwiOjAuMCxcIkxlZnRcIjowLjAsXCJSaWdodFwiOjAuMCxcIkJvdHRvbVwiOjAuMH0sXCJCYWNrZ3JvdW5kXCI6e1wiJGlkXCI6XCIxMTJcIixcIkNvbG9yXCI6e1wiJHJlZlwiOlwiMzZcIn19LFwiSXNWaXNpYmxlXCI6dHJ1ZSxcIldpZHRoXCI6MC4wLFwiSGVpZ2h0XCI6MC4wLFwiQm9yZGVyU3R5bGVcIjpudWxsfSxcIkRhdGVGb3JtYXRcIjp7XCIkaWRcIjpcIjExM1wiLFwiRm9ybWF0U3RyaW5nXCI6XCJNTU0gZFwiLFwiU2VwYXJhdG9yXCI6XCIvXCIsXCJVc2VJbnRlcm5hdGlvbmFsRGF0ZUZvcm1hdFwiOmZhbHNlLFwiRGF0ZUlzVmlzaWJsZVwiOnRydWUsXCJUaW1lSXNWaXNpYmxlXCI6ZmFsc2UsXCJIb3VyRGlnaXRzXCI6MSxcIkFtUG1EZXNpZ25hdG9yXCI6MixcIlRyaW0wME1pbnV0ZXNcIjpmYWxzZSxcIkxhc3RLbm93blZpc2liaWxpdHlTdGF0ZVwiOm51bGx9LFwiSXNWaXNpYmxlXCI6dHJ1ZX0sXCJEZWZhdWx0VGFza1N0eWxlXCI6e1wiJGlkXCI6XCIxMTRcIixcIlNoYXBlXCI6MixcIlNoYXBlVGhpY2tuZXNzXCI6MSxcIkR1cmF0aW9uRm9ybWF0XCI6MCxcIlBlcmNlbnRhZ2VDb21wbGV0ZVN0eWxlXCI6e1wiJGlkXCI6XCIxMTVcIixcIkZvbnRTZXR0aW5nc1wiOntcIiRpZFwiOlwiMTE2XCIsXCJGb250U2l6ZVwiOjEwLFwiRm9udE5hbWVcIjpcIkNhbGlicmlcIixcIklzQm9sZFwiOmZhbHNlLFwiSXNJdGFsaWNcIjpmYWxzZSxcIklzVW5kZXJsaW5lZFwiOmZhbHNlfSxcIkF1dG9TaXplXCI6MCxcIkZvcmVncm91bmRcIjp7XCIkaWRcIjpcIjExN1wiLFwiQ29sb3JcIjp7XCIkaWRcIjpcIjExOFwiLFwiQVwiOjI1NSxcIlJcIjoyMzcsXCJHXCI6MTI1LFwiQlwiOjQ5fX0sXCJCYWNrZ3JvdW5kRmlsbFR5cGVcIjowLFwiTWF4V2lkdGhcIjoyMDAuMCxcIk1heEhlaWdodFwiOlwiSW5maW5pdHlcIixcIlNtYXJ0Rm9yZWdyb3VuZElzQWN0aXZlXCI6ZmFsc2UsXCJIb3Jpem9udGFsQWxpZ25tZW50XCI6MCxcIlZlcnRpY2FsQWxpZ25tZW50XCI6MCxcIlNtYXJ0Rm9yZWdyb3VuZFwiOm51bGwsXCJNYXJnaW5cIjp7XCIkaWRcIjpcIjExOVwiLFwiVG9wXCI6MC4wLFwiTGVmdFwiOjAuMCxcIlJpZ2h0XCI6MC4wLFwiQm90dG9tXCI6MC4wfSxcIlBhZGRpbmdcIjp7XCIkaWRcIjpcIjEyMFwiLFwiVG9wXCI6MC4wLFwiTGVmdFwiOjAuMCxcIlJpZ2h0XCI6MC4wLFwiQm90dG9tXCI6MC4wfSxcIkJhY2tncm91bmRcIjp7XCIkaWRcIjpcIjEyMVwiLFwiQ29sb3JcIjp7XCIkcmVmXCI6XCIzNlwifX0sXCJJc1Zpc2libGVcIjp0cnVlLFwiV2lkdGhcIjowLjAsXCJIZWlnaHRcIjowLjAsXCJCb3JkZXJTdHlsZVwiOm51bGx9LFwiRHVyYXRpb25TdHlsZVwiOntcIiRpZFwiOlwiMTIyXCIsXCJGb250U2V0dGluZ3NcIjp7XCIkaWRcIjpcIjEyM1wiLFwiRm9udFNpemVcIjoxMCxcIkZvbnROYW1lXCI6XCJDYWxpYnJpXCIsXCJJc0JvbGRcIjpmYWxzZSxcIklzSXRhbGljXCI6ZmFsc2UsXCJJc1VuZGVybGluZWRcIjpmYWxzZX0sXCJBdXRvU2l6ZVwiOjAsXCJGb3JlZ3JvdW5kXCI6e1wiJGlkXCI6XCIxMjRcIixcIkNvbG9yXCI6e1wiJGlkXCI6XCIxMjVcIixcIkFcIjoyNTUsXCJSXCI6MjM3LFwiR1wiOjEyNSxcIkJcIjo0OX19LFwiQmFja2dyb3VuZEZpbGxUeXBlXCI6MCxcIk1heFdpZHRoXCI6MjAwLjAsXCJNYXhIZWlnaHRcIjpcIkluZmluaXR5XCIsXCJTbWFydEZvcmVncm91bmRJc0FjdGl2ZVwiOmZhbHNlLFwiSG9yaXpvbnRhbEFsaWdubWVudFwiOjAsXCJWZXJ0aWNhbEFsaWdubWVudFwiOjAsXCJTbWFydEZvcmVncm91bmRcIjpudWxsLFwiTWFyZ2luXCI6e1wiJGlkXCI6XCIxMjZcIixcIlRvcFwiOjAuMCxcIkxlZnRcIjowLjAsXCJSaWdodFwiOjAuMCxcIkJvdHRvbVwiOjAuMH0sXCJQYWRkaW5nXCI6e1wiJGlkXCI6XCIxMjdcIixcIlRvcFwiOjAuMCxcIkxlZnRcIjowLjAsXCJSaWdodFwiOjAuMCxcIkJvdHRvbVwiOjAuMH0sXCJCYWNrZ3JvdW5kXCI6e1wiJGlkXCI6XCIxMjhcIixcIkNvbG9yXCI6e1wiJHJlZlwiOlwiMzZcIn19LFwiSXNWaXNpYmxlXCI6dHJ1ZSxcIldpZHRoXCI6MC4wLFwiSGVpZ2h0XCI6MC4wLFwiQm9yZGVyU3R5bGVcIjpudWxsfSxcIkhvcml6b250YWxDb25uZWN0b3JTdHlsZVwiOntcIiRpZFwiOlwiMTI5XCIsXCJMaW5lQ29sb3JcIjp7XCIkaWRcIjpcIjEzMFwiLFwiJHR5cGVcIjpcIk5MUkUuQ29tbW9uLkRvbS5Tb2xpZENvbG9yQnJ1c2gsIE5MUkUuQ29tbW9uXCIsXCJDb2xvclwiOntcIiRpZFwiOlwiMTMxXCIsXCJBXCI6MjU1LFwiUlwiOjIwNCxcIkdcIjoyMDQsXCJCXCI6MjA0fX0sXCJMaW5lV2VpZ2h0XCI6MS4wLFwiTGluZVR5cGVcIjowfSxcIlZlcnRpY2FsQ29ubmVjdG9yU3R5bGVcIjp7XCIkaWRcIjpcIjEzMlwiLFwiTGluZUNvbG9yXCI6e1wiJGlkXCI6XCIxMzNcIixcIiR0eXBlXCI6XCJOTFJFLkNvbW1vbi5Eb20uU29saWRDb2xvckJydXNoLCBOTFJFLkNvbW1vblwiLFwiQ29sb3JcIjp7XCIkaWRcIjpcIjEzNFwiLFwiQVwiOjI1NSxcIlJcIjoyMDQsXCJHXCI6MjA0LFwiQlwiOjIwNH19LFwiTGluZVdlaWdodFwiOjAuMCxcIkxpbmVUeXBlXCI6MH0sXCJNYXJnaW5cIjpudWxsLFwiU3RhcnREYXRlUG9zaXRpb25cIjozLFwiRW5kRGF0ZVBvc2l0aW9uXCI6NCxcIlRpdGxlUG9zaXRpb25cIjoyLFwiRHVyYXRpb25Qb3NpdGlvblwiOjYsXCJQZXJjZW50YWdlQ29tcGxldGVkUG9zaXRpb25cIjo2LFwiU3BhY2luZ1wiOjUsXCJJc0JlbG93VGltZWJhbmRcIjp0cnVlLFwiUGVyY2VudGFnZUNvbXBsZXRlU2hhcGVPcGFjaXR5XCI6MzUsXCJHcm91cE5hbWVcIjpudWxsLFwiQXR0YWNoZWRNaWxlc3RvbmVzU3R5bGVzXCI6bnVsbCxcIlNoYXBlU3R5bGVcIjp7XCIkaWRcIjpcIjEzNVwiLFwiTWFyZ2luXCI6e1wiJGlkXCI6XCIxMzZcIixcIlRvcFwiOjAuMCxcIkxlZnRcIjo0LjAsXCJSaWdodFwiOjQuMCxcIkJvdHRvbVwiOjAuMH0sXCJQYWRkaW5nXCI6e1wiJGlkXCI6XCIxMzdcIixcIlRvcFwiOjAuMCxcIkxlZnRcIjowLjAsXCJSaWdodFwiOjAuMCxcIkJvdHRvbVwiOjAuMH0sXCJCYWNrZ3JvdW5kXCI6e1wiJGlkXCI6XCIxMzhcIixcIkNvbG9yXCI6e1wiJGlkXCI6XCIxMzlcIixcIkFcIjoyNTUsXCJSXCI6MCxcIkdcIjoxMTQsXCJCXCI6MTg4fX0sXCJJc1Zpc2libGVcIjp0cnVlLFwiV2lkdGhcIjowLjAsXCJIZWlnaHRcIjoxNi4wLFwiQm9yZGVyU3R5bGVcIjp7XCIkaWRcIjpcIjE0MFwiLFwiTGluZUNvbG9yXCI6e1wiJGlkXCI6XCIxNDFcIixcIiR0eXBlXCI6XCJOTFJFLkNvbW1vbi5Eb20uU29saWRDb2xvckJydXNoLCBOTFJFLkNvbW1vblwiLFwiQ29sb3JcIjp7XCIkaWRcIjpcIjE0MlwiLFwiQVwiOjI1NSxcIlJcIjoyNTUsXCJHXCI6MCxcIkJcIjowfX0sXCJMaW5lV2VpZ2h0XCI6MC4wLFwiTGluZVR5cGVcIjowfX0sXCJUaXRsZVN0eWxlXCI6e1wiJGlkXCI6XCIxNDNcIixcIkZvbnRTZXR0aW5nc1wiOntcIiRpZFwiOlwiMTQ0XCIsXCJGb250U2l6ZVwiOjExLFwiRm9udE5hbWVcIjpcIkNhbGlicmlcIixcIklzQm9sZFwiOnRydWUsXCJJc0l0YWxpY1wiOmZhbHNlLFwiSXNVbmRlcmxpbmVkXCI6ZmFsc2V9LFwiQXV0b1NpemVcIjowLFwiRm9yZWdyb3VuZFwiOntcIiRpZFwiOlwiMTQ1XCIsXCJDb2xvclwiOntcIiRpZFwiOlwiMTQ2XCIsXCJBXCI6MjU1LFwiUlwiOjAsXCJHXCI6MCxcIkJcIjowfX0sXCJCYWNrZ3JvdW5kRmlsbFR5cGVcIjowLFwiTWF4V2lkdGhcIjo5NjAuMCxcIk1heEhlaWdodFwiOlwiSW5maW5pdHlcIixcIlNtYXJ0Rm9yZWdyb3VuZElzQWN0aXZlXCI6ZmFsc2UsXCJIb3Jpem9udGFsQWxpZ25tZW50XCI6MSxcIlZlcnRpY2FsQWxpZ25tZW50XCI6MCxcIlNtYXJ0Rm9yZWdyb3VuZFwiOm51bGwsXCJNYXJnaW5cIjp7XCIkaWRcIjpcIjE0N1wiLFwiVG9wXCI6MC4wLFwiTGVmdFwiOjAuMCxcIlJpZ2h0XCI6MC4wLFwiQm90dG9tXCI6MC4wfSxcIlBhZGRpbmdcIjp7XCIkaWRcIjpcIjE0OFwiLFwiVG9wXCI6MC4wLFwiTGVmdFwiOjAuMCxcIlJpZ2h0XCI6MC4wLFwiQm90dG9tXCI6MC4wfSxcIkJhY2tncm91bmRcIjp7XCIkaWRcIjpcIjE0OVwiLFwiQ29sb3JcIjp7XCIkcmVmXCI6XCIzNlwifX0sXCJJc1Zpc2libGVcIjp0cnVlLFwiV2lkdGhcIjowLjAsXCJIZWlnaHRcIjowLjAsXCJCb3JkZXJTdHlsZVwiOm51bGx9LFwiRGF0ZVN0eWxlXCI6e1wiJGlkXCI6XCIxNTBcIixcIkZvbnRTZXR0aW5nc1wiOntcIiRpZFwiOlwiMTUxXCIsXCJGb250U2l6ZVwiOjEwLFwiRm9udE5hbWVcIjpcIkNhbGlicmlcIixcIklzQm9sZFwiOmZhbHNlLFwiSXNJdGFsaWNcIjpmYWxzZSxcIklzVW5kZXJsaW5lZFwiOmZhbHNlfSxcIkF1dG9TaXplXCI6MCxcIkZvcmVncm91bmRcIjp7XCIkaWRcIjpcIjE1MlwiLFwiQ29sb3JcIjp7XCIkaWRcIjpcIjE1M1wiLFwiQVwiOjI1NSxcIlJcIjo2OCxcIkdcIjo4NCxcIkJcIjoxMDZ9fSxcIkJhY2tncm91bmRGaWxsVHlwZVwiOjAsXCJNYXhXaWR0aFwiOjIwMC4wLFwiTWF4SGVpZ2h0XCI6XCJJbmZpbml0eVwiLFwiU21hcnRGb3JlZ3JvdW5kSXNBY3RpdmVcIjpmYWxzZSxcIkhvcml6b250YWxBbGlnbm1lbnRcIjoxLFwiVmVydGljYWxBbGlnbm1lbnRcIjowLFwiU21hcnRGb3JlZ3JvdW5kXCI6bnVsbCxcIk1hcmdpblwiOntcIiRpZFwiOlwiMTU0XCIsXCJUb3BcIjowLjAsXCJMZWZ0XCI6MC4wLFwiUmlnaHRcIjowLjAsXCJCb3R0b21cIjowLjB9LFwiUGFkZGluZ1wiOntcIiRpZFwiOlwiMTU1XCIsXCJUb3BcIjowLjAsXCJMZWZ0XCI6MC4wLFwiUmlnaHRcIjowLjAsXCJCb3R0b21cIjowLjB9LFwiQmFja2dyb3VuZFwiOntcIiRpZFwiOlwiMTU2XCIsXCJDb2xvclwiOntcIiRyZWZcIjpcIjM2XCJ9fSxcIklzVmlzaWJsZVwiOnRydWUsXCJXaWR0aFwiOjAuMCxcIkhlaWdodFwiOjAuMCxcIkJvcmRlclN0eWxlXCI6bnVsbH0sXCJEYXRlRm9ybWF0XCI6e1wiJGlkXCI6XCIxNTdcIixcIkZvcm1hdFN0cmluZ1wiOlwiTU1NIGRcIixcIlNlcGFyYXRvclwiOlwiL1wiLFwiVXNlSW50ZXJuYXRpb25hbERhdGVGb3JtYXRcIjpmYWxzZSxcIkRhdGVJc1Zpc2libGVcIjp0cnVlLFwiVGltZUlzVmlzaWJsZVwiOmZhbHNlLFwiSG91ckRpZ2l0c1wiOjEsXCJBbVBtRGVzaWduYXRvclwiOjIsXCJUcmltMDBNaW51dGVzXCI6ZmFsc2UsXCJMYXN0S25vd25WaXNpYmlsaXR5U3RhdGVcIjpudWxsfSxcIklzVmlzaWJsZVwiOnRydWV9LFwiU2hvd0VsYXBzZWRUaW1lR3JhZGllbnRTdHlsZVwiOmZhbHNlLFwiVGltZWJhbmRSZXNlcnZlZExlZnRBcmVhU3R5bGVcIjpudWxsLFwiRGVmYXVsdFN3aW1sYW5lU3R5bGVcIjp7XCIkaWRcIjpcIjE1OFwiLFwiSGVhZGVyU3R5bGVcIjp7XCIkaWRcIjpcIjE1OVwiLFwiVGV4dFN0eWxlXCI6e1wiJGlkXCI6XCIxNjBcIixcIkZvbnRTZXR0aW5nc1wiOntcIiRpZFwiOlwiMTYxXCIsXCJGb250U2l6ZVwiOjEyLFwiRm9udE5hbWVcIjpcIkNhbGlicmlcIixcIklzQm9sZFwiOmZhbHNlLFwiSXNJdGFsaWNcIjpmYWxzZSxcIklzVW5kZXJsaW5lZFwiOmZhbHNlfSxcIkF1dG9TaXplXCI6MCxcIkZvcmVncm91bmRcIjp7XCIkaWRcIjpcIjE2MlwiLFwiQ29sb3JcIjp7XCIkaWRcIjpcIjE2M1wiLFwiQVwiOjI1NSxcIlJcIjozMixcIkdcIjo1NixcIkJcIjoxMDB9fSxcIkJhY2tncm91bmRGaWxsVHlwZVwiOjAsXCJNYXhXaWR0aFwiOjAuMCxcIk1heEhlaWdodFwiOjAuMCxcIlNtYXJ0Rm9yZWdyb3VuZElzQWN0aXZlXCI6ZmFsc2UsXCJIb3Jpem9udGFsQWxpZ25tZW50XCI6MCxcIlZlcnRpY2FsQWxpZ25tZW50XCI6MCxcIlNtYXJ0Rm9yZWdyb3VuZFwiOm51bGwsXCJNYXJnaW5cIjp7XCIkaWRcIjpcIjE2NFwiLFwiVG9wXCI6MC4wLFwiTGVmdFwiOjAuMCxcIlJpZ2h0XCI6MC4wLFwiQm90dG9tXCI6MC4wfSxcIlBhZGRpbmdcIjp7XCIkaWRcIjpcIjE2NVwiLFwiVG9wXCI6MC4wLFwiTGVmdFwiOjAuMCxcIlJpZ2h0XCI6MC4wLFwiQm90dG9tXCI6MC4wfSxcIkJhY2tncm91bmRcIjpudWxsLFwiSXNWaXNpYmxlXCI6ZmFsc2UsXCJXaWR0aFwiOjAuMCxcIkhlaWdodFwiOjAuMCxcIkJvcmRlclN0eWxlXCI6bnVsbH0sXCJSZWN0YW5nbGVTdHlsZVwiOntcIiRpZFwiOlwiMTY2XCIsXCJNYXJnaW5cIjp7XCIkaWRcIjpcIjE2N1wiLFwiVG9wXCI6MC4wLFwiTGVmdFwiOjAuMCxcIlJpZ2h0XCI6MC4wLFwiQm90dG9tXCI6MC4wfSxcIlBhZGRpbmdcIjp7XCIkaWRcIjpcIjE2OFwiLFwiVG9wXCI6MC4wLFwiTGVmdFwiOjAuMCxcIlJpZ2h0XCI6MC4wLFwiQm90dG9tXCI6MC4wfSxcIkJhY2tncm91bmRcIjp7XCIkaWRcIjpcIjE2OVwiLFwiQ29sb3JcIjp7XCIkaWRcIjpcIjE3MFwiLFwiQVwiOjEyNyxcIlJcIjo5MSxcIkdcIjoxNTUsXCJCXCI6MjEzfX0sXCJJc1Zpc2libGVcIjpmYWxzZSxcIldpZHRoXCI6MC4wLFwiSGVpZ2h0XCI6MC4wLFwiQm9yZGVyU3R5bGVcIjp7XCIkaWRcIjpcIjE3MVwiLFwiTGluZUNvbG9yXCI6e1wiJGlkXCI6XCIxNzJcIixcIiR0eXBlXCI6XCJOTFJFLkNvbW1vbi5Eb20uU29saWRDb2xvckJydXNoLCBOTFJFLkNvbW1vblwiLFwiQ29sb3JcIjp7XCIkaWRcIjpcIjE3M1wiLFwiQVwiOjI1NSxcIlJcIjoyNTUsXCJHXCI6MCxcIkJcIjowfX0sXCJMaW5lV2VpZ2h0XCI6MC4wLFwiTGluZVR5cGVcIjowfX0sXCJUZXh0SXNWZXJ0aWNhbFwiOmZhbHNlfSxcIkJhY2tncm91bmRTdHlsZVwiOntcIiRpZFwiOlwiMTc0XCIsXCJNYXJnaW5cIjp7XCIkaWRcIjpcIjE3NVwiLFwiVG9wXCI6MC4wLFwiTGVmdFwiOjAuMCxcIlJpZ2h0XCI6MC4wLFwiQm90dG9tXCI6MC4wfSxcIlBhZGRpbmdcIjp7XCIkaWRcIjpcIjE3NlwiLFwiVG9wXCI6MC4wLFwiTGVmdFwiOjAuMCxcIlJpZ2h0XCI6MC4wLFwiQm90dG9tXCI6MC4wfSxcIkJhY2tncm91bmRcIjp7XCIkaWRcIjpcIjE3N1wiLFwiQ29sb3JcIjp7XCIkaWRcIjpcIjE3OFwiLFwiQVwiOjM4LFwiUlwiOjkxLFwiR1wiOjE1NSxcIkJcIjoyMTN9fSxcIklzVmlzaWJsZVwiOnRydWUsXCJXaWR0aFwiOjAuMCxcIkhlaWdodFwiOjAuMCxcIkJvcmRlclN0eWxlXCI6e1wiJGlkXCI6XCIxNzlcIixcIkxpbmVDb2xvclwiOntcIiRpZFwiOlwiMTgwXCIsXCIkdHlwZVwiOlwiTkxSRS5Db21tb24uRG9tLlNvbGlkQ29sb3JCcnVzaCwgTkxSRS5Db21tb25cIixcIkNvbG9yXCI6e1wiJGlkXCI6XCIxODFcIixcIkFcIjoyNTUsXCJSXCI6MjU1LFwiR1wiOjAsXCJCXCI6MH19LFwiTGluZVdlaWdodFwiOjAuMCxcIkxpbmVUeXBlXCI6MH19LFwiSXNBYm92ZVRpbWViYW5kXCI6ZmFsc2V9LFwiQ3VzdG9tTWlsZXN0b25lU3R5bGVMaXN0XCI6W10sXCJDdXN0b21UYXNrU3R5bGVMaXN0XCI6W10sXCJDdXN0b21Td2ltbGFuZURlZmluaXRpb25TdHlsZUxpc3RcIjpbXSxcIkN1c3RvbVN3aW1sYW5lVjJTdHlsZUxpc3RcIjpbXSxcIkdyaWRsaW5lUGFuZWxTdHlsZVwiOntcIiRpZFwiOlwiMTgyXCIsXCJHcmlkbGluZVN0eWxlXCI6e1wiJGlkXCI6XCIxODNcIixcIkxpbmVDb2xvclwiOntcIiRpZFwiOlwiMTg0XCIsXCIkdHlwZVwiOlwiTkxSRS5Db21tb24uRG9tLlNvbGlkQ29sb3JCcnVzaCwgTkxSRS5Db21tb25cIixcIkNvbG9yXCI6e1wiJGlkXCI6XCIxODVcIixcIkFcIjozOCxcIlJcIjo5MSxcIkdcIjoxNTUsXCJCXCI6MjEzfX0sXCJMaW5lV2VpZ2h0XCI6MS4wLFwiTGluZVR5cGVcIjowfSxcIklzVmlzaWJsZVwiOnRydWV9LFwiQWN0aXZpdHlMaW5lUGFuZWxTdHlsZVwiOntcIiRpZFwiOlwiMTg2XCIsXCJBY3Rpdml0eUxpbmVTdHlsZVwiOntcIiRpZFwiOlwiMTg3XCIsXCJMaW5lQ29sb3JcIjp7XCIkaWRcIjpcIjE4OFwiLFwiJHR5cGVcIjpcIk5MUkUuQ29tbW9uLkRvbS5Tb2xpZENvbG9yQnJ1c2gsIE5MUkUuQ29tbW9uXCIsXCJDb2xvclwiOntcIiRpZFwiOlwiMTg5XCIsXCJBXCI6MzgsXCJSXCI6NjgsXCJHXCI6MTE0LFwiQlwiOjE5Nn19LFwiTGluZVdlaWdodFwiOjEuMCxcIkxpbmVUeXBlXCI6MH0sXCJJc1Zpc2libGVcIjp0cnVlfX0sXCJTY2FsZVwiOntcIiRpZFwiOlwiMTkwXCIsXCJTdGFydERhdGVcIjpcIjAwMDEtMDEtMDFUMDA6MDA6MDBcIixcIkVuZERhdGVcIjpcIjAwMDEtMDEtMDFUMDA6MDA6MDBcIixcIkZvcm1hdFwiOlwid1wiLFwiVHlwZVwiOjEsXCJBdXRvRGF0ZVJhbmdlXCI6dHJ1ZSxcIldvcmtpbmdEYXlzXCI6MzEsXCJUb2RheU1hcmtlclRleHRcIjpcIlRvZGF5XCIsXCJBdXRvU2NhbGVUeXBlXCI6dHJ1ZX0sXCJTY2FsZVYyXCI6e1wiJGlkXCI6XCIxOTFcIixcIlN0YXJ0RGF0ZVwiOlwiMDAwMS0wMS0wMVQwMDowMDowMFwiLFwiRW5kRGF0ZVwiOlwiMDAwMS0wMS0wMVQwMDowMDowMFwiLFwiQXV0b0RhdGVSYW5nZVwiOnRydWUsXCJXb3JraW5nRGF5c1wiOjMxLFwiVG9kYXlNYXJrZXJUZXh0XCI6XCJUb2RheVwiLFwiQXV0b1NjYWxlVHlwZVwiOnRydWUsXCJUaW1lYmFuZFNjYWxlc1wiOntcIiRpZFwiOlwiMTkyXCIsXCJUb3BTY2FsZUxheWVyXCI6e1wiJGlkXCI6XCIxOTNcIixcIkZvcm1hdFwiOlwid1wiLFwiVHlwZVwiOjF9LFwiTWlkZGxlU2NhbGVMYXllclwiOntcIiRpZFwiOlwiMTk0XCIsXCJGb3JtYXRcIjpudWxsLFwiVHlwZVwiOjB9LFwiQm90dG9tU2NhbGVMYXllclwiOntcIiRpZFwiOlwiMTk1XCIsXCJGb3JtYXRcIjpudWxsLFwiVHlwZVwiOjB9fX0sXCJNaWxlc3RvbmVzXCI6W10sXCJUYXNrc1wiOltdLFwiU3dpbWxhbmVzXCI6W10sXCJTd2ltbGFuZXNWMlwiOltdLFwiU2V0dGluZ3NcIjp7XCIkaWRcIjpcIjE5NlwiLFwiSW1wYU9wdGlvbnNcIjp7XCIkaWRcIjpcIjE5N1wiLFwiTGVmdFRvUmlnaHRcIjpmYWxzZSxcIlBheWxvYWRPcHRpb25zXCI6Mn19LFwiVGltZUNvbmZpZ3VyYXRpb25cIjp7XCIkaWRcIjpcIjE5OFwiLFwiVXNlVGltZVwiOmZhbHNlLFwiV29ya0RheVN0YXJ0XCI6XCIwMDowMDowMFwiLFwiV29ya0RheUVuZFwiOlwiMjM6NTk6MDBcIn19IiwiUmVjZW50Q29sb3JzQ29sbGVjdGlvbiI6IltcIiNGRjFBQUE0MlwiXSJ9LCJTZXR0aW5ncyI6eyIkaWQiOiI2ODIiLCJJbXBhT3B0aW9ucyI6eyIkaWQiOiI2ODMiLCJMZWZ0VG9SaWdodCI6ZmFsc2UsIlBheWxvYWRPcHRpb25zIjoyfSwiVXNlQ29tcHJlc3Npb24iOmZhbHNlLCJDb21wcmVzaW9uUGVyY2VudGFnZSI6NTAuMCwiSW5hY3RpdmVJbnRlcnZhbFdpZHRoVGhyZXNob2xkIjozMC4wLCJJbmFjdGl2ZUludGVydmFsV2lkdGgiOjEuMCwiU3BsaXRUYXNrcyI6ZmFsc2UsIlVzZUNsdXN0ZXIiOmZhbHNlLCJFcHNpbG9uIjo1LjAsIk1pblBvaW50c1RvRm9ybUFDbHVzdGVyIjoyLCJHZW5lcmF0ZUludmlzaWJsZVNoYXBlcyI6ZmFsc2UsIlNtYXJ0VGltZWxpbmVUYXNrUGVyY2VudGFnZUZpdCI6ZmFsc2V9LCJJc05ldyI6ZmFsc2UsIkltcG9ydFR5cGUiOjAsIkZpbGVQYXRoIjpudWxsLCJUaW1lQ29uZmlndXJhdGlvbiI6eyIkaWQiOiI2ODQiLCJVc2VUaW1lIjpmYWxzZSwiV29ya0RheVN0YXJ0IjoiMDA6MDA6MDAiLCJXb3JrRGF5RW5kIjoiMjM6NTk6MDAifSwiTGFzdFVzZWRUZW1wbGF0ZUlkIjoiYzExZjZmNDktN2RiOC00NWZkLWJhMzItYmZjYWVhNDkyZjM5IiwiRmlyc3RXZWVrT2ZZZWFyIjowLCJQbGFjZU1pbGVzdG9uZUF0VGhlQmVnaW5uaW5nT2ZUaGVEYXkiOmZhbHNlfQ=="/>
+  <p:tag name="__MASTER" val="__part_0"/>
+</p:tagLst>
+</file>
+
+<file path=ppt/tags/tag378.xml><?xml version="1.0" encoding="utf-8"?>
+<p:tagLst xmlns:a="http://schemas.openxmlformats.org/drawingml/2006/main" xmlns:r="http://schemas.openxmlformats.org/officeDocument/2006/relationships" xmlns:p="http://schemas.openxmlformats.org/presentationml/2006/main">
+  <p:tag name="OTLMARKERSHAPE" val="OTL"/>
+</p:tagLst>
+</file>
+
+<file path=ppt/tags/tag379.xml><?xml version="1.0" encoding="utf-8"?>
+<p:tagLst xmlns:a="http://schemas.openxmlformats.org/drawingml/2006/main" xmlns:r="http://schemas.openxmlformats.org/officeDocument/2006/relationships" xmlns:p="http://schemas.openxmlformats.org/presentationml/2006/main">
+  <p:tag name="OTLMARKERSHAPE" val="OTL"/>
+</p:tagLst>
+</file>
+
 <file path=ppt/tags/tag38.xml><?xml version="1.0" encoding="utf-8"?>
 <p:tagLst xmlns:a="http://schemas.openxmlformats.org/drawingml/2006/main" xmlns:r="http://schemas.openxmlformats.org/officeDocument/2006/relationships" xmlns:p="http://schemas.openxmlformats.org/presentationml/2006/main">
   <p:tag name="OTLMARKERSHAPE" val="OTL"/>
 </p:tagLst>
 </file>
 
+<file path=ppt/tags/tag380.xml><?xml version="1.0" encoding="utf-8"?>
+<p:tagLst xmlns:a="http://schemas.openxmlformats.org/drawingml/2006/main" xmlns:r="http://schemas.openxmlformats.org/officeDocument/2006/relationships" xmlns:p="http://schemas.openxmlformats.org/presentationml/2006/main">
+  <p:tag name="OTLMARKERSHAPE" val="OTL"/>
+</p:tagLst>
+</file>
+
+<file path=ppt/tags/tag381.xml><?xml version="1.0" encoding="utf-8"?>
+<p:tagLst xmlns:a="http://schemas.openxmlformats.org/drawingml/2006/main" xmlns:r="http://schemas.openxmlformats.org/officeDocument/2006/relationships" xmlns:p="http://schemas.openxmlformats.org/presentationml/2006/main">
+  <p:tag name="OTLMARKERSHAPE" val="OTL"/>
+</p:tagLst>
+</file>
+
+<file path=ppt/tags/tag382.xml><?xml version="1.0" encoding="utf-8"?>
+<p:tagLst xmlns:a="http://schemas.openxmlformats.org/drawingml/2006/main" xmlns:r="http://schemas.openxmlformats.org/officeDocument/2006/relationships" xmlns:p="http://schemas.openxmlformats.org/presentationml/2006/main">
+  <p:tag name="OTLMARKERSHAPE" val="OTL"/>
+</p:tagLst>
+</file>
+
+<file path=ppt/tags/tag383.xml><?xml version="1.0" encoding="utf-8"?>
+<p:tagLst xmlns:a="http://schemas.openxmlformats.org/drawingml/2006/main" xmlns:r="http://schemas.openxmlformats.org/officeDocument/2006/relationships" xmlns:p="http://schemas.openxmlformats.org/presentationml/2006/main">
+  <p:tag name="OTLMARKERSHAPE" val="OTL"/>
+</p:tagLst>
+</file>
+
+<file path=ppt/tags/tag384.xml><?xml version="1.0" encoding="utf-8"?>
+<p:tagLst xmlns:a="http://schemas.openxmlformats.org/drawingml/2006/main" xmlns:r="http://schemas.openxmlformats.org/officeDocument/2006/relationships" xmlns:p="http://schemas.openxmlformats.org/presentationml/2006/main">
+  <p:tag name="OTLMARKERSHAPE" val="OTL"/>
+</p:tagLst>
+</file>
+
+<file path=ppt/tags/tag385.xml><?xml version="1.0" encoding="utf-8"?>
+<p:tagLst xmlns:a="http://schemas.openxmlformats.org/drawingml/2006/main" xmlns:r="http://schemas.openxmlformats.org/officeDocument/2006/relationships" xmlns:p="http://schemas.openxmlformats.org/presentationml/2006/main">
+  <p:tag name="OTLMARKERSHAPE" val="OTL"/>
+</p:tagLst>
+</file>
+
+<file path=ppt/tags/tag386.xml><?xml version="1.0" encoding="utf-8"?>
+<p:tagLst xmlns:a="http://schemas.openxmlformats.org/drawingml/2006/main" xmlns:r="http://schemas.openxmlformats.org/officeDocument/2006/relationships" xmlns:p="http://schemas.openxmlformats.org/presentationml/2006/main">
+  <p:tag name="OTLTIMEBANDSHAPETYPE" val="EllipseTimeband"/>
+  <p:tag name="OTLTIMEBANDSHAPEHEIGHT" val="30"/>
+  <p:tag name="OTLTIMEBANDSHAPEPADDINGLEFT" val="13"/>
+  <p:tag name="OTLTIMEBANDCULTUREINFO" val="en-US"/>
+  <p:tag name="OTLTIMEBANDTHREEDEFFECTS" val="Gel"/>
+  <p:tag name="OTLTIMEBANDAUTODATERANGE" val="True"/>
+  <p:tag name="OTLTIMEBANDSTARTDATE" val="0001-01-01T00:00:00.0000000"/>
+  <p:tag name="OTLTIMEBANDWORKINGDAYS" val="Standard"/>
+  <p:tag name="OTLTIMEBANDELAPSEDTIMEEXTENSION" val="False"/>
+  <p:tag name="OTLTIMEBANDUSETIME" val="False"/>
+  <p:tag name="OTLTIMEBANDTIMECONFIGWORKDAYSTART" val="00:00:00"/>
+  <p:tag name="OTLTIMEBANDTIMECONFIGWORKDAYEND" val="23:59:00"/>
+  <p:tag name="OTLTIMEBANDAPPENDYEARONYEARCHANGE" val="True"/>
+  <p:tag name="OTLTIMEBANDSCALEMARKING" val="None"/>
+  <p:tag name="OTLRIGHTENDCAPSMARGINRIGHT" val="20"/>
+  <p:tag name="OTLLEFTENDCAPSMARGINLEFT" val="115.506666666667"/>
+  <p:tag name="OTLTIMEBANDFYSTARTMONTH" val="January"/>
+  <p:tag name="OTLTIMEBANDSHOWFYLABEL" val="True"/>
+  <p:tag name="OTLTIMEBANDUSESTARTINGOFTHEYEARFORFYNUMBERING" val="True"/>
+  <p:tag name="OTLTIMEBANDRESERVEDLEFTAREAWIDTH" val="76"/>
+  <p:tag name="OTLTIMEBANDRESERVEDLEFTAREAISSET" val="False"/>
+  <p:tag name="OTLTIMEBANDQUICKPOSITION" val="Custom"/>
+  <p:tag name="OTLTIMEBANDENDDATE" val="2022-06-30T23:59:00.0000000"/>
+  <p:tag name="OTLTIMEBANDSCALETYPE" val="Days"/>
+  <p:tag name="OTLTIMEBANDSCALEFORMAT" val="d"/>
+  <p:tag name="OTLMARKERSHAPE" val="OTL"/>
+</p:tagLst>
+</file>
+
+<file path=ppt/tags/tag387.xml><?xml version="1.0" encoding="utf-8"?>
+<p:tagLst xmlns:a="http://schemas.openxmlformats.org/drawingml/2006/main" xmlns:r="http://schemas.openxmlformats.org/officeDocument/2006/relationships" xmlns:p="http://schemas.openxmlformats.org/presentationml/2006/main">
+  <p:tag name="OTLMARKERSHAPE" val="OTL"/>
+</p:tagLst>
+</file>
+
+<file path=ppt/tags/tag388.xml><?xml version="1.0" encoding="utf-8"?>
+<p:tagLst xmlns:a="http://schemas.openxmlformats.org/drawingml/2006/main" xmlns:r="http://schemas.openxmlformats.org/officeDocument/2006/relationships" xmlns:p="http://schemas.openxmlformats.org/presentationml/2006/main">
+  <p:tag name="OTLMARKERSHAPE" val="OTL"/>
+</p:tagLst>
+</file>
+
+<file path=ppt/tags/tag389.xml><?xml version="1.0" encoding="utf-8"?>
+<p:tagLst xmlns:a="http://schemas.openxmlformats.org/drawingml/2006/main" xmlns:r="http://schemas.openxmlformats.org/officeDocument/2006/relationships" xmlns:p="http://schemas.openxmlformats.org/presentationml/2006/main">
+  <p:tag name="OTLMARKERSHAPE" val="OTL"/>
+</p:tagLst>
+</file>
+
 <file path=ppt/tags/tag39.xml><?xml version="1.0" encoding="utf-8"?>
 <p:tagLst xmlns:a="http://schemas.openxmlformats.org/drawingml/2006/main" xmlns:r="http://schemas.openxmlformats.org/officeDocument/2006/relationships" xmlns:p="http://schemas.openxmlformats.org/presentationml/2006/main">
   <p:tag name="OTLMARKERSHAPE" val="OTL"/>
 </p:tagLst>
 </file>
 
+<file path=ppt/tags/tag390.xml><?xml version="1.0" encoding="utf-8"?>
+<p:tagLst xmlns:a="http://schemas.openxmlformats.org/drawingml/2006/main" xmlns:r="http://schemas.openxmlformats.org/officeDocument/2006/relationships" xmlns:p="http://schemas.openxmlformats.org/presentationml/2006/main">
+  <p:tag name="OTLMARKERSHAPE" val="OTL"/>
+</p:tagLst>
+</file>
+
+<file path=ppt/tags/tag391.xml><?xml version="1.0" encoding="utf-8"?>
+<p:tagLst xmlns:a="http://schemas.openxmlformats.org/drawingml/2006/main" xmlns:r="http://schemas.openxmlformats.org/officeDocument/2006/relationships" xmlns:p="http://schemas.openxmlformats.org/presentationml/2006/main">
+  <p:tag name="OTLMARKERSHAPE" val="OTL"/>
+</p:tagLst>
+</file>
+
+<file path=ppt/tags/tag392.xml><?xml version="1.0" encoding="utf-8"?>
+<p:tagLst xmlns:a="http://schemas.openxmlformats.org/drawingml/2006/main" xmlns:r="http://schemas.openxmlformats.org/officeDocument/2006/relationships" xmlns:p="http://schemas.openxmlformats.org/presentationml/2006/main">
+  <p:tag name="OTLMARKERSHAPE" val="OTL"/>
+</p:tagLst>
+</file>
+
+<file path=ppt/tags/tag393.xml><?xml version="1.0" encoding="utf-8"?>
+<p:tagLst xmlns:a="http://schemas.openxmlformats.org/drawingml/2006/main" xmlns:r="http://schemas.openxmlformats.org/officeDocument/2006/relationships" xmlns:p="http://schemas.openxmlformats.org/presentationml/2006/main">
+  <p:tag name="OTLMARKERSHAPE" val="OTL"/>
+</p:tagLst>
+</file>
+
+<file path=ppt/tags/tag394.xml><?xml version="1.0" encoding="utf-8"?>
+<p:tagLst xmlns:a="http://schemas.openxmlformats.org/drawingml/2006/main" xmlns:r="http://schemas.openxmlformats.org/officeDocument/2006/relationships" xmlns:p="http://schemas.openxmlformats.org/presentationml/2006/main">
+  <p:tag name="OTLMARKERSHAPE" val="OTL"/>
+</p:tagLst>
+</file>
+
+<file path=ppt/tags/tag395.xml><?xml version="1.0" encoding="utf-8"?>
+<p:tagLst xmlns:a="http://schemas.openxmlformats.org/drawingml/2006/main" xmlns:r="http://schemas.openxmlformats.org/officeDocument/2006/relationships" xmlns:p="http://schemas.openxmlformats.org/presentationml/2006/main">
+  <p:tag name="OTLMARKERSHAPE" val="OTL"/>
+</p:tagLst>
+</file>
+
+<file path=ppt/tags/tag396.xml><?xml version="1.0" encoding="utf-8"?>
+<p:tagLst xmlns:a="http://schemas.openxmlformats.org/drawingml/2006/main" xmlns:r="http://schemas.openxmlformats.org/officeDocument/2006/relationships" xmlns:p="http://schemas.openxmlformats.org/presentationml/2006/main">
+  <p:tag name="OTLMARKERSHAPE" val="OTL"/>
+</p:tagLst>
+</file>
+
+<file path=ppt/tags/tag397.xml><?xml version="1.0" encoding="utf-8"?>
+<p:tagLst xmlns:a="http://schemas.openxmlformats.org/drawingml/2006/main" xmlns:r="http://schemas.openxmlformats.org/officeDocument/2006/relationships" xmlns:p="http://schemas.openxmlformats.org/presentationml/2006/main">
+  <p:tag name="OTLMARKERSHAPE" val="OTL"/>
+</p:tagLst>
+</file>
+
+<file path=ppt/tags/tag398.xml><?xml version="1.0" encoding="utf-8"?>
+<p:tagLst xmlns:a="http://schemas.openxmlformats.org/drawingml/2006/main" xmlns:r="http://schemas.openxmlformats.org/officeDocument/2006/relationships" xmlns:p="http://schemas.openxmlformats.org/presentationml/2006/main">
+  <p:tag name="OTLMARKERSHAPE" val="OTL"/>
+</p:tagLst>
+</file>
+
+<file path=ppt/tags/tag399.xml><?xml version="1.0" encoding="utf-8"?>
+<p:tagLst xmlns:a="http://schemas.openxmlformats.org/drawingml/2006/main" xmlns:r="http://schemas.openxmlformats.org/officeDocument/2006/relationships" xmlns:p="http://schemas.openxmlformats.org/presentationml/2006/main">
+  <p:tag name="OTLMARKERSHAPE" val="OTL"/>
+</p:tagLst>
+</file>
+
 <file path=ppt/tags/tag4.xml><?xml version="1.0" encoding="utf-8"?>
 <p:tagLst xmlns:a="http://schemas.openxmlformats.org/drawingml/2006/main" xmlns:r="http://schemas.openxmlformats.org/officeDocument/2006/relationships" xmlns:p="http://schemas.openxmlformats.org/presentationml/2006/main">
   <p:tag name="OTLMARKERSHAPE" val="OTL"/>
@@ -24666,60 +31230,812 @@
 </p:tagLst>
 </file>
 
+<file path=ppt/tags/tag400.xml><?xml version="1.0" encoding="utf-8"?>
+<p:tagLst xmlns:a="http://schemas.openxmlformats.org/drawingml/2006/main" xmlns:r="http://schemas.openxmlformats.org/officeDocument/2006/relationships" xmlns:p="http://schemas.openxmlformats.org/presentationml/2006/main">
+  <p:tag name="OTLMARKERSHAPE" val="OTL"/>
+  <p:tag name="OTLDATEFORMATSTRING" val="MMM d"/>
+  <p:tag name="OTLDATEFORMATSEPARATOR" val="/"/>
+  <p:tag name="OTLDATEFORMATUSEUS" val="True"/>
+  <p:tag name="OTLDATEFORMATDATEISVISIBLE" val="True"/>
+  <p:tag name="OTLDATEFORMATTIMEISVISIBLE" val="False"/>
+  <p:tag name="OTLDATEFORMATAMPMDESIGNATOR" val="AmPmLowerCase"/>
+  <p:tag name="OTLDATEFORMATHOURDIGITS" val="H"/>
+  <p:tag name="OTLDATEFORMATTRIM00MINUTES" val="False"/>
+  <p:tag name="OTLWEEKNUMBERINGFORMAT" val="WNFormat1"/>
+  <p:tag name="OTLWEEKNUMBERINGISVISIBLE" val="False"/>
+  <p:tag name="OTLSTARTDATE" val="2022-05-21T00:00:00.0000000Z"/>
+  <p:tag name="OTLENDDATE" val="2022-05-24T23:59:00.0000000Z"/>
+  <p:tag name="OTLDURATIONFORMAT" val="day"/>
+  <p:tag name="OTLSPACING" val="5"/>
+  <p:tag name="OTLSHAPETHICKNESSTYPE" val="Regular"/>
+</p:tagLst>
+</file>
+
+<file path=ppt/tags/tag401.xml><?xml version="1.0" encoding="utf-8"?>
+<p:tagLst xmlns:a="http://schemas.openxmlformats.org/drawingml/2006/main" xmlns:r="http://schemas.openxmlformats.org/officeDocument/2006/relationships" xmlns:p="http://schemas.openxmlformats.org/presentationml/2006/main">
+  <p:tag name="OTLMARKERSHAPE" val="OTL"/>
+  <p:tag name="OTLDATEFORMATSTRING" val="MMM d"/>
+  <p:tag name="OTLDATEFORMATSEPARATOR" val="/"/>
+  <p:tag name="OTLDATEFORMATUSEUS" val="True"/>
+  <p:tag name="OTLDATEFORMATDATEISVISIBLE" val="True"/>
+  <p:tag name="OTLDATEFORMATTIMEISVISIBLE" val="False"/>
+  <p:tag name="OTLDATEFORMATAMPMDESIGNATOR" val="AmPmLowerCase"/>
+  <p:tag name="OTLDATEFORMATHOURDIGITS" val="H"/>
+  <p:tag name="OTLDATEFORMATTRIM00MINUTES" val="False"/>
+  <p:tag name="OTLWEEKNUMBERINGFORMAT" val="WNFormat1"/>
+  <p:tag name="OTLWEEKNUMBERINGISVISIBLE" val="False"/>
+  <p:tag name="OTLSTARTDATE" val="2022-05-21T00:00:00.0000000Z"/>
+  <p:tag name="OTLENDDATE" val="2022-05-24T23:59:00.0000000Z"/>
+  <p:tag name="OTLDURATIONFORMAT" val="day"/>
+  <p:tag name="OTLSPACING" val="5"/>
+  <p:tag name="OTLSHAPETHICKNESSTYPE" val="Regular"/>
+</p:tagLst>
+</file>
+
+<file path=ppt/tags/tag402.xml><?xml version="1.0" encoding="utf-8"?>
+<p:tagLst xmlns:a="http://schemas.openxmlformats.org/drawingml/2006/main" xmlns:r="http://schemas.openxmlformats.org/officeDocument/2006/relationships" xmlns:p="http://schemas.openxmlformats.org/presentationml/2006/main">
+  <p:tag name="OTLMARKERSHAPE" val="OTL"/>
+  <p:tag name="OTLDATEFORMATSTRING" val="MMM d"/>
+  <p:tag name="OTLDATEFORMATSEPARATOR" val="/"/>
+  <p:tag name="OTLDATEFORMATUSEUS" val="True"/>
+  <p:tag name="OTLDATEFORMATDATEISVISIBLE" val="True"/>
+  <p:tag name="OTLDATEFORMATTIMEISVISIBLE" val="False"/>
+  <p:tag name="OTLDATEFORMATAMPMDESIGNATOR" val="AmPmLowerCase"/>
+  <p:tag name="OTLDATEFORMATHOURDIGITS" val="H"/>
+  <p:tag name="OTLDATEFORMATTRIM00MINUTES" val="False"/>
+  <p:tag name="OTLWEEKNUMBERINGFORMAT" val="WNFormat1"/>
+  <p:tag name="OTLWEEKNUMBERINGISVISIBLE" val="False"/>
+  <p:tag name="OTLSTARTDATE" val="2022-05-21T00:00:00.0000000Z"/>
+  <p:tag name="OTLENDDATE" val="2022-05-24T23:59:00.0000000Z"/>
+  <p:tag name="OTLDURATIONFORMAT" val="day"/>
+  <p:tag name="OTLSPACING" val="5"/>
+  <p:tag name="OTLSHAPETHICKNESSTYPE" val="Regular"/>
+</p:tagLst>
+</file>
+
+<file path=ppt/tags/tag403.xml><?xml version="1.0" encoding="utf-8"?>
+<p:tagLst xmlns:a="http://schemas.openxmlformats.org/drawingml/2006/main" xmlns:r="http://schemas.openxmlformats.org/officeDocument/2006/relationships" xmlns:p="http://schemas.openxmlformats.org/presentationml/2006/main">
+  <p:tag name="OTLMARKERSHAPE" val="OTL"/>
+  <p:tag name="OTLDATEFORMATSTRING" val="MMM d"/>
+  <p:tag name="OTLDATEFORMATSEPARATOR" val="/"/>
+  <p:tag name="OTLDATEFORMATUSEUS" val="True"/>
+  <p:tag name="OTLDATEFORMATDATEISVISIBLE" val="True"/>
+  <p:tag name="OTLDATEFORMATTIMEISVISIBLE" val="False"/>
+  <p:tag name="OTLDATEFORMATAMPMDESIGNATOR" val="AmPmLowerCase"/>
+  <p:tag name="OTLDATEFORMATHOURDIGITS" val="H"/>
+  <p:tag name="OTLDATEFORMATTRIM00MINUTES" val="False"/>
+  <p:tag name="OTLWEEKNUMBERINGFORMAT" val="WNFormat1"/>
+  <p:tag name="OTLWEEKNUMBERINGISVISIBLE" val="False"/>
+  <p:tag name="OTLSTARTDATE" val="2022-05-21T00:00:00.0000000Z"/>
+  <p:tag name="OTLENDDATE" val="2022-05-24T23:59:00.0000000Z"/>
+  <p:tag name="OTLDURATIONFORMAT" val="day"/>
+  <p:tag name="OTLSPACING" val="5"/>
+  <p:tag name="OTLSHAPETHICKNESSTYPE" val="Regular"/>
+</p:tagLst>
+</file>
+
+<file path=ppt/tags/tag404.xml><?xml version="1.0" encoding="utf-8"?>
+<p:tagLst xmlns:a="http://schemas.openxmlformats.org/drawingml/2006/main" xmlns:r="http://schemas.openxmlformats.org/officeDocument/2006/relationships" xmlns:p="http://schemas.openxmlformats.org/presentationml/2006/main">
+  <p:tag name="OTLMARKERSHAPE" val="OTL"/>
+  <p:tag name="OTLDATEFORMATSTRING" val="MMM d"/>
+  <p:tag name="OTLDATEFORMATSEPARATOR" val="/"/>
+  <p:tag name="OTLDATEFORMATUSEUS" val="True"/>
+  <p:tag name="OTLDATEFORMATDATEISVISIBLE" val="True"/>
+  <p:tag name="OTLDATEFORMATTIMEISVISIBLE" val="False"/>
+  <p:tag name="OTLDATEFORMATAMPMDESIGNATOR" val="AmPmLowerCase"/>
+  <p:tag name="OTLDATEFORMATHOURDIGITS" val="H"/>
+  <p:tag name="OTLDATEFORMATTRIM00MINUTES" val="False"/>
+  <p:tag name="OTLWEEKNUMBERINGFORMAT" val="WNFormat1"/>
+  <p:tag name="OTLWEEKNUMBERINGISVISIBLE" val="False"/>
+  <p:tag name="OTLSTARTDATE" val="2022-05-21T00:00:00.0000000Z"/>
+  <p:tag name="OTLENDDATE" val="2022-05-24T23:59:00.0000000Z"/>
+  <p:tag name="OTLDURATIONFORMAT" val="day"/>
+  <p:tag name="OTLSPACING" val="5"/>
+  <p:tag name="OTLSHAPETHICKNESSTYPE" val="Regular"/>
+</p:tagLst>
+</file>
+
+<file path=ppt/tags/tag405.xml><?xml version="1.0" encoding="utf-8"?>
+<p:tagLst xmlns:a="http://schemas.openxmlformats.org/drawingml/2006/main" xmlns:r="http://schemas.openxmlformats.org/officeDocument/2006/relationships" xmlns:p="http://schemas.openxmlformats.org/presentationml/2006/main">
+  <p:tag name="OTLMARKERSHAPE" val="OTL"/>
+  <p:tag name="OTLDATEFORMATSTRING" val="MMM d"/>
+  <p:tag name="OTLDATEFORMATSEPARATOR" val="/"/>
+  <p:tag name="OTLDATEFORMATUSEUS" val="True"/>
+  <p:tag name="OTLDATEFORMATDATEISVISIBLE" val="True"/>
+  <p:tag name="OTLDATEFORMATTIMEISVISIBLE" val="False"/>
+  <p:tag name="OTLDATEFORMATAMPMDESIGNATOR" val="AmPmLowerCase"/>
+  <p:tag name="OTLDATEFORMATHOURDIGITS" val="H"/>
+  <p:tag name="OTLDATEFORMATTRIM00MINUTES" val="False"/>
+  <p:tag name="OTLWEEKNUMBERINGFORMAT" val="WNFormat1"/>
+  <p:tag name="OTLWEEKNUMBERINGISVISIBLE" val="False"/>
+  <p:tag name="OTLSTARTDATE" val="2022-05-21T00:00:00.0000000Z"/>
+  <p:tag name="OTLENDDATE" val="2022-05-24T23:59:00.0000000Z"/>
+  <p:tag name="OTLDURATIONFORMAT" val="day"/>
+  <p:tag name="OTLSPACING" val="5"/>
+  <p:tag name="OTLSHAPETHICKNESSTYPE" val="Regular"/>
+</p:tagLst>
+</file>
+
+<file path=ppt/tags/tag406.xml><?xml version="1.0" encoding="utf-8"?>
+<p:tagLst xmlns:a="http://schemas.openxmlformats.org/drawingml/2006/main" xmlns:r="http://schemas.openxmlformats.org/officeDocument/2006/relationships" xmlns:p="http://schemas.openxmlformats.org/presentationml/2006/main">
+  <p:tag name="OTLMARKERSHAPE" val="OTL"/>
+  <p:tag name="OTLDATEFORMATSTRING" val="MMM d"/>
+  <p:tag name="OTLDATEFORMATSEPARATOR" val="/"/>
+  <p:tag name="OTLDATEFORMATUSEUS" val="True"/>
+  <p:tag name="OTLDATEFORMATDATEISVISIBLE" val="True"/>
+  <p:tag name="OTLDATEFORMATTIMEISVISIBLE" val="False"/>
+  <p:tag name="OTLDATEFORMATAMPMDESIGNATOR" val="AmPmLowerCase"/>
+  <p:tag name="OTLDATEFORMATHOURDIGITS" val="H"/>
+  <p:tag name="OTLDATEFORMATTRIM00MINUTES" val="False"/>
+  <p:tag name="OTLWEEKNUMBERINGFORMAT" val="WNFormat1"/>
+  <p:tag name="OTLWEEKNUMBERINGISVISIBLE" val="False"/>
+  <p:tag name="OTLSTARTDATE" val="2022-05-24T00:00:00.0000000Z"/>
+  <p:tag name="OTLENDDATE" val="2022-05-27T23:59:00.0000000Z"/>
+  <p:tag name="OTLDURATIONFORMAT" val="day"/>
+  <p:tag name="OTLSPACING" val="5"/>
+  <p:tag name="OTLSHAPETHICKNESSTYPE" val="Regular"/>
+</p:tagLst>
+</file>
+
+<file path=ppt/tags/tag407.xml><?xml version="1.0" encoding="utf-8"?>
+<p:tagLst xmlns:a="http://schemas.openxmlformats.org/drawingml/2006/main" xmlns:r="http://schemas.openxmlformats.org/officeDocument/2006/relationships" xmlns:p="http://schemas.openxmlformats.org/presentationml/2006/main">
+  <p:tag name="OTLMARKERSHAPE" val="OTL"/>
+  <p:tag name="OTLDATEFORMATSTRING" val="MMM d"/>
+  <p:tag name="OTLDATEFORMATSEPARATOR" val="/"/>
+  <p:tag name="OTLDATEFORMATUSEUS" val="True"/>
+  <p:tag name="OTLDATEFORMATDATEISVISIBLE" val="True"/>
+  <p:tag name="OTLDATEFORMATTIMEISVISIBLE" val="False"/>
+  <p:tag name="OTLDATEFORMATAMPMDESIGNATOR" val="AmPmLowerCase"/>
+  <p:tag name="OTLDATEFORMATHOURDIGITS" val="H"/>
+  <p:tag name="OTLDATEFORMATTRIM00MINUTES" val="False"/>
+  <p:tag name="OTLWEEKNUMBERINGFORMAT" val="WNFormat1"/>
+  <p:tag name="OTLWEEKNUMBERINGISVISIBLE" val="False"/>
+  <p:tag name="OTLSTARTDATE" val="2022-05-25T00:00:00.0000000Z"/>
+  <p:tag name="OTLENDDATE" val="2022-05-26T23:59:00.0000000Z"/>
+  <p:tag name="OTLDURATIONFORMAT" val="day"/>
+  <p:tag name="OTLSPACING" val="5"/>
+  <p:tag name="OTLSHAPETHICKNESSTYPE" val="Regular"/>
+</p:tagLst>
+</file>
+
+<file path=ppt/tags/tag408.xml><?xml version="1.0" encoding="utf-8"?>
+<p:tagLst xmlns:a="http://schemas.openxmlformats.org/drawingml/2006/main" xmlns:r="http://schemas.openxmlformats.org/officeDocument/2006/relationships" xmlns:p="http://schemas.openxmlformats.org/presentationml/2006/main">
+  <p:tag name="OTLMARKERSHAPE" val="OTL"/>
+  <p:tag name="OTLDATEFORMATSTRING" val="MMM d"/>
+  <p:tag name="OTLDATEFORMATSEPARATOR" val="/"/>
+  <p:tag name="OTLDATEFORMATUSEUS" val="True"/>
+  <p:tag name="OTLDATEFORMATDATEISVISIBLE" val="True"/>
+  <p:tag name="OTLDATEFORMATTIMEISVISIBLE" val="False"/>
+  <p:tag name="OTLDATEFORMATAMPMDESIGNATOR" val="AmPmLowerCase"/>
+  <p:tag name="OTLDATEFORMATHOURDIGITS" val="H"/>
+  <p:tag name="OTLDATEFORMATTRIM00MINUTES" val="False"/>
+  <p:tag name="OTLWEEKNUMBERINGFORMAT" val="WNFormat1"/>
+  <p:tag name="OTLWEEKNUMBERINGISVISIBLE" val="False"/>
+  <p:tag name="OTLSTARTDATE" val="2022-05-21T00:00:00.0000000Z"/>
+  <p:tag name="OTLENDDATE" val="2022-05-25T23:59:00.0000000Z"/>
+  <p:tag name="OTLDURATIONFORMAT" val="day"/>
+  <p:tag name="OTLSPACING" val="5"/>
+  <p:tag name="OTLSHAPETHICKNESSTYPE" val="Regular"/>
+</p:tagLst>
+</file>
+
+<file path=ppt/tags/tag409.xml><?xml version="1.0" encoding="utf-8"?>
+<p:tagLst xmlns:a="http://schemas.openxmlformats.org/drawingml/2006/main" xmlns:r="http://schemas.openxmlformats.org/officeDocument/2006/relationships" xmlns:p="http://schemas.openxmlformats.org/presentationml/2006/main">
+  <p:tag name="OTLMARKERSHAPE" val="OTL"/>
+  <p:tag name="OTLDATEFORMATSTRING" val="MMM d"/>
+  <p:tag name="OTLDATEFORMATSEPARATOR" val="/"/>
+  <p:tag name="OTLDATEFORMATUSEUS" val="True"/>
+  <p:tag name="OTLDATEFORMATDATEISVISIBLE" val="True"/>
+  <p:tag name="OTLDATEFORMATTIMEISVISIBLE" val="False"/>
+  <p:tag name="OTLDATEFORMATAMPMDESIGNATOR" val="AmPmLowerCase"/>
+  <p:tag name="OTLDATEFORMATHOURDIGITS" val="H"/>
+  <p:tag name="OTLDATEFORMATTRIM00MINUTES" val="False"/>
+  <p:tag name="OTLWEEKNUMBERINGFORMAT" val="WNFormat1"/>
+  <p:tag name="OTLWEEKNUMBERINGISVISIBLE" val="False"/>
+  <p:tag name="OTLSTARTDATE" val="2022-05-28T00:00:00.0000000Z"/>
+  <p:tag name="OTLENDDATE" val="2022-05-28T23:59:00.0000000Z"/>
+  <p:tag name="OTLDURATIONFORMAT" val="day"/>
+  <p:tag name="OTLSPACING" val="5"/>
+  <p:tag name="OTLSHAPETHICKNESSTYPE" val="Regular"/>
+</p:tagLst>
+</file>
+
 <file path=ppt/tags/tag41.xml><?xml version="1.0" encoding="utf-8"?>
 <p:tagLst xmlns:a="http://schemas.openxmlformats.org/drawingml/2006/main" xmlns:r="http://schemas.openxmlformats.org/officeDocument/2006/relationships" xmlns:p="http://schemas.openxmlformats.org/presentationml/2006/main">
   <p:tag name="OTLMARKERSHAPE" val="OTL"/>
 </p:tagLst>
 </file>
 
+<file path=ppt/tags/tag410.xml><?xml version="1.0" encoding="utf-8"?>
+<p:tagLst xmlns:a="http://schemas.openxmlformats.org/drawingml/2006/main" xmlns:r="http://schemas.openxmlformats.org/officeDocument/2006/relationships" xmlns:p="http://schemas.openxmlformats.org/presentationml/2006/main">
+  <p:tag name="OTLELAPSEDSTYLE" val="Thick"/>
+  <p:tag name="OTLMARKERSHAPE" val="OTL"/>
+</p:tagLst>
+</file>
+
+<file path=ppt/tags/tag411.xml><?xml version="1.0" encoding="utf-8"?>
+<p:tagLst xmlns:a="http://schemas.openxmlformats.org/drawingml/2006/main" xmlns:r="http://schemas.openxmlformats.org/officeDocument/2006/relationships" xmlns:p="http://schemas.openxmlformats.org/presentationml/2006/main">
+  <p:tag name="OTLMARKERSHAPE" val="OTL"/>
+</p:tagLst>
+</file>
+
+<file path=ppt/tags/tag412.xml><?xml version="1.0" encoding="utf-8"?>
+<p:tagLst xmlns:a="http://schemas.openxmlformats.org/drawingml/2006/main" xmlns:r="http://schemas.openxmlformats.org/officeDocument/2006/relationships" xmlns:p="http://schemas.openxmlformats.org/presentationml/2006/main">
+  <p:tag name="OTLMARKERSHAPE" val="OTL"/>
+</p:tagLst>
+</file>
+
+<file path=ppt/tags/tag413.xml><?xml version="1.0" encoding="utf-8"?>
+<p:tagLst xmlns:a="http://schemas.openxmlformats.org/drawingml/2006/main" xmlns:r="http://schemas.openxmlformats.org/officeDocument/2006/relationships" xmlns:p="http://schemas.openxmlformats.org/presentationml/2006/main">
+  <p:tag name="OTLMARKERSHAPE" val="OTL"/>
+</p:tagLst>
+</file>
+
+<file path=ppt/tags/tag414.xml><?xml version="1.0" encoding="utf-8"?>
+<p:tagLst xmlns:a="http://schemas.openxmlformats.org/drawingml/2006/main" xmlns:r="http://schemas.openxmlformats.org/officeDocument/2006/relationships" xmlns:p="http://schemas.openxmlformats.org/presentationml/2006/main">
+  <p:tag name="OTLMARKERSHAPE" val="OTL"/>
+</p:tagLst>
+</file>
+
+<file path=ppt/tags/tag415.xml><?xml version="1.0" encoding="utf-8"?>
+<p:tagLst xmlns:a="http://schemas.openxmlformats.org/drawingml/2006/main" xmlns:r="http://schemas.openxmlformats.org/officeDocument/2006/relationships" xmlns:p="http://schemas.openxmlformats.org/presentationml/2006/main">
+  <p:tag name="OTLMARKERSHAPE" val="OTL"/>
+</p:tagLst>
+</file>
+
+<file path=ppt/tags/tag416.xml><?xml version="1.0" encoding="utf-8"?>
+<p:tagLst xmlns:a="http://schemas.openxmlformats.org/drawingml/2006/main" xmlns:r="http://schemas.openxmlformats.org/officeDocument/2006/relationships" xmlns:p="http://schemas.openxmlformats.org/presentationml/2006/main">
+  <p:tag name="OTLMARKERSHAPE" val="OTL"/>
+</p:tagLst>
+</file>
+
+<file path=ppt/tags/tag417.xml><?xml version="1.0" encoding="utf-8"?>
+<p:tagLst xmlns:a="http://schemas.openxmlformats.org/drawingml/2006/main" xmlns:r="http://schemas.openxmlformats.org/officeDocument/2006/relationships" xmlns:p="http://schemas.openxmlformats.org/presentationml/2006/main">
+  <p:tag name="OTLMARKERSHAPE" val="OTL"/>
+</p:tagLst>
+</file>
+
+<file path=ppt/tags/tag418.xml><?xml version="1.0" encoding="utf-8"?>
+<p:tagLst xmlns:a="http://schemas.openxmlformats.org/drawingml/2006/main" xmlns:r="http://schemas.openxmlformats.org/officeDocument/2006/relationships" xmlns:p="http://schemas.openxmlformats.org/presentationml/2006/main">
+  <p:tag name="OTLMARKERSHAPE" val="OTL"/>
+</p:tagLst>
+</file>
+
+<file path=ppt/tags/tag419.xml><?xml version="1.0" encoding="utf-8"?>
+<p:tagLst xmlns:a="http://schemas.openxmlformats.org/drawingml/2006/main" xmlns:r="http://schemas.openxmlformats.org/officeDocument/2006/relationships" xmlns:p="http://schemas.openxmlformats.org/presentationml/2006/main">
+  <p:tag name="OTLMARKERSHAPE" val="OTL"/>
+</p:tagLst>
+</file>
+
 <file path=ppt/tags/tag42.xml><?xml version="1.0" encoding="utf-8"?>
 <p:tagLst xmlns:a="http://schemas.openxmlformats.org/drawingml/2006/main" xmlns:r="http://schemas.openxmlformats.org/officeDocument/2006/relationships" xmlns:p="http://schemas.openxmlformats.org/presentationml/2006/main">
   <p:tag name="OTLMARKERSHAPE" val="OTL"/>
 </p:tagLst>
 </file>
 
+<file path=ppt/tags/tag420.xml><?xml version="1.0" encoding="utf-8"?>
+<p:tagLst xmlns:a="http://schemas.openxmlformats.org/drawingml/2006/main" xmlns:r="http://schemas.openxmlformats.org/officeDocument/2006/relationships" xmlns:p="http://schemas.openxmlformats.org/presentationml/2006/main">
+  <p:tag name="OTLMARKERSHAPE" val="OTL"/>
+</p:tagLst>
+</file>
+
+<file path=ppt/tags/tag421.xml><?xml version="1.0" encoding="utf-8"?>
+<p:tagLst xmlns:a="http://schemas.openxmlformats.org/drawingml/2006/main" xmlns:r="http://schemas.openxmlformats.org/officeDocument/2006/relationships" xmlns:p="http://schemas.openxmlformats.org/presentationml/2006/main">
+  <p:tag name="OTLMARKERSHAPE" val="OTL"/>
+</p:tagLst>
+</file>
+
+<file path=ppt/tags/tag422.xml><?xml version="1.0" encoding="utf-8"?>
+<p:tagLst xmlns:a="http://schemas.openxmlformats.org/drawingml/2006/main" xmlns:r="http://schemas.openxmlformats.org/officeDocument/2006/relationships" xmlns:p="http://schemas.openxmlformats.org/presentationml/2006/main">
+  <p:tag name="OTLMARKERSHAPE" val="OTL"/>
+</p:tagLst>
+</file>
+
+<file path=ppt/tags/tag423.xml><?xml version="1.0" encoding="utf-8"?>
+<p:tagLst xmlns:a="http://schemas.openxmlformats.org/drawingml/2006/main" xmlns:r="http://schemas.openxmlformats.org/officeDocument/2006/relationships" xmlns:p="http://schemas.openxmlformats.org/presentationml/2006/main">
+  <p:tag name="OTLMARKERSHAPE" val="OTL"/>
+</p:tagLst>
+</file>
+
+<file path=ppt/tags/tag424.xml><?xml version="1.0" encoding="utf-8"?>
+<p:tagLst xmlns:a="http://schemas.openxmlformats.org/drawingml/2006/main" xmlns:r="http://schemas.openxmlformats.org/officeDocument/2006/relationships" xmlns:p="http://schemas.openxmlformats.org/presentationml/2006/main">
+  <p:tag name="OTLMARKERSHAPE" val="OTL"/>
+</p:tagLst>
+</file>
+
+<file path=ppt/tags/tag425.xml><?xml version="1.0" encoding="utf-8"?>
+<p:tagLst xmlns:a="http://schemas.openxmlformats.org/drawingml/2006/main" xmlns:r="http://schemas.openxmlformats.org/officeDocument/2006/relationships" xmlns:p="http://schemas.openxmlformats.org/presentationml/2006/main">
+  <p:tag name="OTLMARKERSHAPE" val="OTL"/>
+</p:tagLst>
+</file>
+
+<file path=ppt/tags/tag426.xml><?xml version="1.0" encoding="utf-8"?>
+<p:tagLst xmlns:a="http://schemas.openxmlformats.org/drawingml/2006/main" xmlns:r="http://schemas.openxmlformats.org/officeDocument/2006/relationships" xmlns:p="http://schemas.openxmlformats.org/presentationml/2006/main">
+  <p:tag name="OTLMARKERSHAPE" val="OTL"/>
+</p:tagLst>
+</file>
+
+<file path=ppt/tags/tag427.xml><?xml version="1.0" encoding="utf-8"?>
+<p:tagLst xmlns:a="http://schemas.openxmlformats.org/drawingml/2006/main" xmlns:r="http://schemas.openxmlformats.org/officeDocument/2006/relationships" xmlns:p="http://schemas.openxmlformats.org/presentationml/2006/main">
+  <p:tag name="OTLTODAYPOSITION" val="Auto"/>
+  <p:tag name="OTLMARKERSHAPE" val="OTL"/>
+</p:tagLst>
+</file>
+
+<file path=ppt/tags/tag428.xml><?xml version="1.0" encoding="utf-8"?>
+<p:tagLst xmlns:a="http://schemas.openxmlformats.org/drawingml/2006/main" xmlns:r="http://schemas.openxmlformats.org/officeDocument/2006/relationships" xmlns:p="http://schemas.openxmlformats.org/presentationml/2006/main">
+  <p:tag name="OTLMARKERSHAPE" val="OTL"/>
+</p:tagLst>
+</file>
+
+<file path=ppt/tags/tag429.xml><?xml version="1.0" encoding="utf-8"?>
+<p:tagLst xmlns:a="http://schemas.openxmlformats.org/drawingml/2006/main" xmlns:r="http://schemas.openxmlformats.org/officeDocument/2006/relationships" xmlns:p="http://schemas.openxmlformats.org/presentationml/2006/main">
+  <p:tag name="OTLMARKERSHAPE" val="OTL"/>
+</p:tagLst>
+</file>
+
 <file path=ppt/tags/tag43.xml><?xml version="1.0" encoding="utf-8"?>
 <p:tagLst xmlns:a="http://schemas.openxmlformats.org/drawingml/2006/main" xmlns:r="http://schemas.openxmlformats.org/officeDocument/2006/relationships" xmlns:p="http://schemas.openxmlformats.org/presentationml/2006/main">
   <p:tag name="OTLMARKERSHAPE" val="OTL"/>
 </p:tagLst>
 </file>
 
+<file path=ppt/tags/tag430.xml><?xml version="1.0" encoding="utf-8"?>
+<p:tagLst xmlns:a="http://schemas.openxmlformats.org/drawingml/2006/main" xmlns:r="http://schemas.openxmlformats.org/officeDocument/2006/relationships" xmlns:p="http://schemas.openxmlformats.org/presentationml/2006/main">
+  <p:tag name="OTLMARKERSHAPE" val="OTL"/>
+</p:tagLst>
+</file>
+
+<file path=ppt/tags/tag431.xml><?xml version="1.0" encoding="utf-8"?>
+<p:tagLst xmlns:a="http://schemas.openxmlformats.org/drawingml/2006/main" xmlns:r="http://schemas.openxmlformats.org/officeDocument/2006/relationships" xmlns:p="http://schemas.openxmlformats.org/presentationml/2006/main">
+  <p:tag name="OTLMARKERSHAPE" val="OTL"/>
+</p:tagLst>
+</file>
+
+<file path=ppt/tags/tag432.xml><?xml version="1.0" encoding="utf-8"?>
+<p:tagLst xmlns:a="http://schemas.openxmlformats.org/drawingml/2006/main" xmlns:r="http://schemas.openxmlformats.org/officeDocument/2006/relationships" xmlns:p="http://schemas.openxmlformats.org/presentationml/2006/main">
+  <p:tag name="OTLMARKERSHAPE" val="OTL"/>
+</p:tagLst>
+</file>
+
+<file path=ppt/tags/tag433.xml><?xml version="1.0" encoding="utf-8"?>
+<p:tagLst xmlns:a="http://schemas.openxmlformats.org/drawingml/2006/main" xmlns:r="http://schemas.openxmlformats.org/officeDocument/2006/relationships" xmlns:p="http://schemas.openxmlformats.org/presentationml/2006/main">
+  <p:tag name="OTLMARKERSHAPE" val="OTL"/>
+</p:tagLst>
+</file>
+
+<file path=ppt/tags/tag434.xml><?xml version="1.0" encoding="utf-8"?>
+<p:tagLst xmlns:a="http://schemas.openxmlformats.org/drawingml/2006/main" xmlns:r="http://schemas.openxmlformats.org/officeDocument/2006/relationships" xmlns:p="http://schemas.openxmlformats.org/presentationml/2006/main">
+  <p:tag name="OTLMARKERSHAPE" val="OTL"/>
+</p:tagLst>
+</file>
+
+<file path=ppt/tags/tag435.xml><?xml version="1.0" encoding="utf-8"?>
+<p:tagLst xmlns:a="http://schemas.openxmlformats.org/drawingml/2006/main" xmlns:r="http://schemas.openxmlformats.org/officeDocument/2006/relationships" xmlns:p="http://schemas.openxmlformats.org/presentationml/2006/main">
+  <p:tag name="OTLMARKERSHAPE" val="OTL"/>
+</p:tagLst>
+</file>
+
+<file path=ppt/tags/tag436.xml><?xml version="1.0" encoding="utf-8"?>
+<p:tagLst xmlns:a="http://schemas.openxmlformats.org/drawingml/2006/main" xmlns:r="http://schemas.openxmlformats.org/officeDocument/2006/relationships" xmlns:p="http://schemas.openxmlformats.org/presentationml/2006/main">
+  <p:tag name="OTLMARKERSHAPE" val="OTL"/>
+</p:tagLst>
+</file>
+
+<file path=ppt/tags/tag437.xml><?xml version="1.0" encoding="utf-8"?>
+<p:tagLst xmlns:a="http://schemas.openxmlformats.org/drawingml/2006/main" xmlns:r="http://schemas.openxmlformats.org/officeDocument/2006/relationships" xmlns:p="http://schemas.openxmlformats.org/presentationml/2006/main">
+  <p:tag name="OTLMARKERSHAPE" val="OTL"/>
+</p:tagLst>
+</file>
+
+<file path=ppt/tags/tag438.xml><?xml version="1.0" encoding="utf-8"?>
+<p:tagLst xmlns:a="http://schemas.openxmlformats.org/drawingml/2006/main" xmlns:r="http://schemas.openxmlformats.org/officeDocument/2006/relationships" xmlns:p="http://schemas.openxmlformats.org/presentationml/2006/main">
+  <p:tag name="OTLMARKERSHAPE" val="OTL"/>
+</p:tagLst>
+</file>
+
+<file path=ppt/tags/tag439.xml><?xml version="1.0" encoding="utf-8"?>
+<p:tagLst xmlns:a="http://schemas.openxmlformats.org/drawingml/2006/main" xmlns:r="http://schemas.openxmlformats.org/officeDocument/2006/relationships" xmlns:p="http://schemas.openxmlformats.org/presentationml/2006/main">
+  <p:tag name="OTLMARKERSHAPE" val="OTL"/>
+</p:tagLst>
+</file>
+
 <file path=ppt/tags/tag44.xml><?xml version="1.0" encoding="utf-8"?>
 <p:tagLst xmlns:a="http://schemas.openxmlformats.org/drawingml/2006/main" xmlns:r="http://schemas.openxmlformats.org/officeDocument/2006/relationships" xmlns:p="http://schemas.openxmlformats.org/presentationml/2006/main">
   <p:tag name="OTLMARKERSHAPE" val="OTL"/>
 </p:tagLst>
 </file>
 
+<file path=ppt/tags/tag440.xml><?xml version="1.0" encoding="utf-8"?>
+<p:tagLst xmlns:a="http://schemas.openxmlformats.org/drawingml/2006/main" xmlns:r="http://schemas.openxmlformats.org/officeDocument/2006/relationships" xmlns:p="http://schemas.openxmlformats.org/presentationml/2006/main">
+  <p:tag name="OTLMARKERSHAPE" val="OTL"/>
+</p:tagLst>
+</file>
+
+<file path=ppt/tags/tag441.xml><?xml version="1.0" encoding="utf-8"?>
+<p:tagLst xmlns:a="http://schemas.openxmlformats.org/drawingml/2006/main" xmlns:r="http://schemas.openxmlformats.org/officeDocument/2006/relationships" xmlns:p="http://schemas.openxmlformats.org/presentationml/2006/main">
+  <p:tag name="OTLMARKERSHAPE" val="OTL"/>
+</p:tagLst>
+</file>
+
+<file path=ppt/tags/tag442.xml><?xml version="1.0" encoding="utf-8"?>
+<p:tagLst xmlns:a="http://schemas.openxmlformats.org/drawingml/2006/main" xmlns:r="http://schemas.openxmlformats.org/officeDocument/2006/relationships" xmlns:p="http://schemas.openxmlformats.org/presentationml/2006/main">
+  <p:tag name="OTLMARKERSHAPE" val="OTL"/>
+</p:tagLst>
+</file>
+
+<file path=ppt/tags/tag443.xml><?xml version="1.0" encoding="utf-8"?>
+<p:tagLst xmlns:a="http://schemas.openxmlformats.org/drawingml/2006/main" xmlns:r="http://schemas.openxmlformats.org/officeDocument/2006/relationships" xmlns:p="http://schemas.openxmlformats.org/presentationml/2006/main">
+  <p:tag name="OTLMARKERSHAPE" val="OTL"/>
+</p:tagLst>
+</file>
+
+<file path=ppt/tags/tag444.xml><?xml version="1.0" encoding="utf-8"?>
+<p:tagLst xmlns:a="http://schemas.openxmlformats.org/drawingml/2006/main" xmlns:r="http://schemas.openxmlformats.org/officeDocument/2006/relationships" xmlns:p="http://schemas.openxmlformats.org/presentationml/2006/main">
+  <p:tag name="OTLMARKERSHAPE" val="OTL"/>
+</p:tagLst>
+</file>
+
+<file path=ppt/tags/tag445.xml><?xml version="1.0" encoding="utf-8"?>
+<p:tagLst xmlns:a="http://schemas.openxmlformats.org/drawingml/2006/main" xmlns:r="http://schemas.openxmlformats.org/officeDocument/2006/relationships" xmlns:p="http://schemas.openxmlformats.org/presentationml/2006/main">
+  <p:tag name="OTLMARKERSHAPE" val="OTL"/>
+</p:tagLst>
+</file>
+
+<file path=ppt/tags/tag446.xml><?xml version="1.0" encoding="utf-8"?>
+<p:tagLst xmlns:a="http://schemas.openxmlformats.org/drawingml/2006/main" xmlns:r="http://schemas.openxmlformats.org/officeDocument/2006/relationships" xmlns:p="http://schemas.openxmlformats.org/presentationml/2006/main">
+  <p:tag name="OTLMARKERSHAPE" val="OTL"/>
+</p:tagLst>
+</file>
+
+<file path=ppt/tags/tag447.xml><?xml version="1.0" encoding="utf-8"?>
+<p:tagLst xmlns:a="http://schemas.openxmlformats.org/drawingml/2006/main" xmlns:r="http://schemas.openxmlformats.org/officeDocument/2006/relationships" xmlns:p="http://schemas.openxmlformats.org/presentationml/2006/main">
+  <p:tag name="OTLMARKERSHAPE" val="OTL"/>
+</p:tagLst>
+</file>
+
+<file path=ppt/tags/tag448.xml><?xml version="1.0" encoding="utf-8"?>
+<p:tagLst xmlns:a="http://schemas.openxmlformats.org/drawingml/2006/main" xmlns:r="http://schemas.openxmlformats.org/officeDocument/2006/relationships" xmlns:p="http://schemas.openxmlformats.org/presentationml/2006/main">
+  <p:tag name="OTLMARKERSHAPE" val="OTL"/>
+</p:tagLst>
+</file>
+
+<file path=ppt/tags/tag449.xml><?xml version="1.0" encoding="utf-8"?>
+<p:tagLst xmlns:a="http://schemas.openxmlformats.org/drawingml/2006/main" xmlns:r="http://schemas.openxmlformats.org/officeDocument/2006/relationships" xmlns:p="http://schemas.openxmlformats.org/presentationml/2006/main">
+  <p:tag name="OTLMARKERSHAPE" val="OTL"/>
+</p:tagLst>
+</file>
+
 <file path=ppt/tags/tag45.xml><?xml version="1.0" encoding="utf-8"?>
 <p:tagLst xmlns:a="http://schemas.openxmlformats.org/drawingml/2006/main" xmlns:r="http://schemas.openxmlformats.org/officeDocument/2006/relationships" xmlns:p="http://schemas.openxmlformats.org/presentationml/2006/main">
   <p:tag name="OTLMARKERSHAPE" val="OTL"/>
 </p:tagLst>
 </file>
 
+<file path=ppt/tags/tag450.xml><?xml version="1.0" encoding="utf-8"?>
+<p:tagLst xmlns:a="http://schemas.openxmlformats.org/drawingml/2006/main" xmlns:r="http://schemas.openxmlformats.org/officeDocument/2006/relationships" xmlns:p="http://schemas.openxmlformats.org/presentationml/2006/main">
+  <p:tag name="OTLMARKERSHAPE" val="OTL"/>
+</p:tagLst>
+</file>
+
+<file path=ppt/tags/tag451.xml><?xml version="1.0" encoding="utf-8"?>
+<p:tagLst xmlns:a="http://schemas.openxmlformats.org/drawingml/2006/main" xmlns:r="http://schemas.openxmlformats.org/officeDocument/2006/relationships" xmlns:p="http://schemas.openxmlformats.org/presentationml/2006/main">
+  <p:tag name="OTLMARKERSHAPE" val="OTL"/>
+</p:tagLst>
+</file>
+
+<file path=ppt/tags/tag452.xml><?xml version="1.0" encoding="utf-8"?>
+<p:tagLst xmlns:a="http://schemas.openxmlformats.org/drawingml/2006/main" xmlns:r="http://schemas.openxmlformats.org/officeDocument/2006/relationships" xmlns:p="http://schemas.openxmlformats.org/presentationml/2006/main">
+  <p:tag name="OTLMARKERSHAPE" val="OTL"/>
+</p:tagLst>
+</file>
+
+<file path=ppt/tags/tag453.xml><?xml version="1.0" encoding="utf-8"?>
+<p:tagLst xmlns:a="http://schemas.openxmlformats.org/drawingml/2006/main" xmlns:r="http://schemas.openxmlformats.org/officeDocument/2006/relationships" xmlns:p="http://schemas.openxmlformats.org/presentationml/2006/main">
+  <p:tag name="OTLMARKERSHAPE" val="OTL"/>
+</p:tagLst>
+</file>
+
+<file path=ppt/tags/tag454.xml><?xml version="1.0" encoding="utf-8"?>
+<p:tagLst xmlns:a="http://schemas.openxmlformats.org/drawingml/2006/main" xmlns:r="http://schemas.openxmlformats.org/officeDocument/2006/relationships" xmlns:p="http://schemas.openxmlformats.org/presentationml/2006/main">
+  <p:tag name="OTLMARKERSHAPE" val="OTL"/>
+</p:tagLst>
+</file>
+
+<file path=ppt/tags/tag455.xml><?xml version="1.0" encoding="utf-8"?>
+<p:tagLst xmlns:a="http://schemas.openxmlformats.org/drawingml/2006/main" xmlns:r="http://schemas.openxmlformats.org/officeDocument/2006/relationships" xmlns:p="http://schemas.openxmlformats.org/presentationml/2006/main">
+  <p:tag name="OTLMARKERSHAPE" val="OTL"/>
+</p:tagLst>
+</file>
+
+<file path=ppt/tags/tag456.xml><?xml version="1.0" encoding="utf-8"?>
+<p:tagLst xmlns:a="http://schemas.openxmlformats.org/drawingml/2006/main" xmlns:r="http://schemas.openxmlformats.org/officeDocument/2006/relationships" xmlns:p="http://schemas.openxmlformats.org/presentationml/2006/main">
+  <p:tag name="OTLMARKERSHAPE" val="OTL"/>
+</p:tagLst>
+</file>
+
+<file path=ppt/tags/tag457.xml><?xml version="1.0" encoding="utf-8"?>
+<p:tagLst xmlns:a="http://schemas.openxmlformats.org/drawingml/2006/main" xmlns:r="http://schemas.openxmlformats.org/officeDocument/2006/relationships" xmlns:p="http://schemas.openxmlformats.org/presentationml/2006/main">
+  <p:tag name="OTLMARKERSHAPE" val="OTL"/>
+</p:tagLst>
+</file>
+
+<file path=ppt/tags/tag458.xml><?xml version="1.0" encoding="utf-8"?>
+<p:tagLst xmlns:a="http://schemas.openxmlformats.org/drawingml/2006/main" xmlns:r="http://schemas.openxmlformats.org/officeDocument/2006/relationships" xmlns:p="http://schemas.openxmlformats.org/presentationml/2006/main">
+  <p:tag name="OTLMARKERSHAPE" val="OTL"/>
+</p:tagLst>
+</file>
+
+<file path=ppt/tags/tag459.xml><?xml version="1.0" encoding="utf-8"?>
+<p:tagLst xmlns:a="http://schemas.openxmlformats.org/drawingml/2006/main" xmlns:r="http://schemas.openxmlformats.org/officeDocument/2006/relationships" xmlns:p="http://schemas.openxmlformats.org/presentationml/2006/main">
+  <p:tag name="OTLMARKERSHAPE" val="OTL"/>
+</p:tagLst>
+</file>
+
 <file path=ppt/tags/tag46.xml><?xml version="1.0" encoding="utf-8"?>
 <p:tagLst xmlns:a="http://schemas.openxmlformats.org/drawingml/2006/main" xmlns:r="http://schemas.openxmlformats.org/officeDocument/2006/relationships" xmlns:p="http://schemas.openxmlformats.org/presentationml/2006/main">
   <p:tag name="OTLMARKERSHAPE" val="OTL"/>
 </p:tagLst>
 </file>
 
+<file path=ppt/tags/tag460.xml><?xml version="1.0" encoding="utf-8"?>
+<p:tagLst xmlns:a="http://schemas.openxmlformats.org/drawingml/2006/main" xmlns:r="http://schemas.openxmlformats.org/officeDocument/2006/relationships" xmlns:p="http://schemas.openxmlformats.org/presentationml/2006/main">
+  <p:tag name="OTLMARKERSHAPE" val="OTL"/>
+</p:tagLst>
+</file>
+
+<file path=ppt/tags/tag461.xml><?xml version="1.0" encoding="utf-8"?>
+<p:tagLst xmlns:a="http://schemas.openxmlformats.org/drawingml/2006/main" xmlns:r="http://schemas.openxmlformats.org/officeDocument/2006/relationships" xmlns:p="http://schemas.openxmlformats.org/presentationml/2006/main">
+  <p:tag name="OTLMARKERSHAPE" val="OTL"/>
+</p:tagLst>
+</file>
+
+<file path=ppt/tags/tag462.xml><?xml version="1.0" encoding="utf-8"?>
+<p:tagLst xmlns:a="http://schemas.openxmlformats.org/drawingml/2006/main" xmlns:r="http://schemas.openxmlformats.org/officeDocument/2006/relationships" xmlns:p="http://schemas.openxmlformats.org/presentationml/2006/main">
+  <p:tag name="OTLMARKERSHAPE" val="OTL"/>
+</p:tagLst>
+</file>
+
+<file path=ppt/tags/tag463.xml><?xml version="1.0" encoding="utf-8"?>
+<p:tagLst xmlns:a="http://schemas.openxmlformats.org/drawingml/2006/main" xmlns:r="http://schemas.openxmlformats.org/officeDocument/2006/relationships" xmlns:p="http://schemas.openxmlformats.org/presentationml/2006/main">
+  <p:tag name="OTLMARKERSHAPE" val="OTL"/>
+</p:tagLst>
+</file>
+
+<file path=ppt/tags/tag464.xml><?xml version="1.0" encoding="utf-8"?>
+<p:tagLst xmlns:a="http://schemas.openxmlformats.org/drawingml/2006/main" xmlns:r="http://schemas.openxmlformats.org/officeDocument/2006/relationships" xmlns:p="http://schemas.openxmlformats.org/presentationml/2006/main">
+  <p:tag name="OTLMARKERSHAPE" val="OTL"/>
+</p:tagLst>
+</file>
+
+<file path=ppt/tags/tag465.xml><?xml version="1.0" encoding="utf-8"?>
+<p:tagLst xmlns:a="http://schemas.openxmlformats.org/drawingml/2006/main" xmlns:r="http://schemas.openxmlformats.org/officeDocument/2006/relationships" xmlns:p="http://schemas.openxmlformats.org/presentationml/2006/main">
+  <p:tag name="OTLMARKERSHAPE" val="OTL"/>
+</p:tagLst>
+</file>
+
+<file path=ppt/tags/tag466.xml><?xml version="1.0" encoding="utf-8"?>
+<p:tagLst xmlns:a="http://schemas.openxmlformats.org/drawingml/2006/main" xmlns:r="http://schemas.openxmlformats.org/officeDocument/2006/relationships" xmlns:p="http://schemas.openxmlformats.org/presentationml/2006/main">
+  <p:tag name="OTLMARKERSHAPE" val="OTL"/>
+</p:tagLst>
+</file>
+
+<file path=ppt/tags/tag467.xml><?xml version="1.0" encoding="utf-8"?>
+<p:tagLst xmlns:a="http://schemas.openxmlformats.org/drawingml/2006/main" xmlns:r="http://schemas.openxmlformats.org/officeDocument/2006/relationships" xmlns:p="http://schemas.openxmlformats.org/presentationml/2006/main">
+  <p:tag name="OTLMARKERSHAPE" val="OTL"/>
+</p:tagLst>
+</file>
+
+<file path=ppt/tags/tag468.xml><?xml version="1.0" encoding="utf-8"?>
+<p:tagLst xmlns:a="http://schemas.openxmlformats.org/drawingml/2006/main" xmlns:r="http://schemas.openxmlformats.org/officeDocument/2006/relationships" xmlns:p="http://schemas.openxmlformats.org/presentationml/2006/main">
+  <p:tag name="OTLMARKERSHAPE" val="OTL"/>
+</p:tagLst>
+</file>
+
+<file path=ppt/tags/tag469.xml><?xml version="1.0" encoding="utf-8"?>
+<p:tagLst xmlns:a="http://schemas.openxmlformats.org/drawingml/2006/main" xmlns:r="http://schemas.openxmlformats.org/officeDocument/2006/relationships" xmlns:p="http://schemas.openxmlformats.org/presentationml/2006/main">
+  <p:tag name="OTLMARKERSHAPE" val="OTL"/>
+</p:tagLst>
+</file>
+
 <file path=ppt/tags/tag47.xml><?xml version="1.0" encoding="utf-8"?>
 <p:tagLst xmlns:a="http://schemas.openxmlformats.org/drawingml/2006/main" xmlns:r="http://schemas.openxmlformats.org/officeDocument/2006/relationships" xmlns:p="http://schemas.openxmlformats.org/presentationml/2006/main">
   <p:tag name="OTLMARKERSHAPE" val="OTL"/>
 </p:tagLst>
 </file>
 
+<file path=ppt/tags/tag470.xml><?xml version="1.0" encoding="utf-8"?>
+<p:tagLst xmlns:a="http://schemas.openxmlformats.org/drawingml/2006/main" xmlns:r="http://schemas.openxmlformats.org/officeDocument/2006/relationships" xmlns:p="http://schemas.openxmlformats.org/presentationml/2006/main">
+  <p:tag name="OTLMARKERSHAPE" val="OTL"/>
+</p:tagLst>
+</file>
+
+<file path=ppt/tags/tag471.xml><?xml version="1.0" encoding="utf-8"?>
+<p:tagLst xmlns:a="http://schemas.openxmlformats.org/drawingml/2006/main" xmlns:r="http://schemas.openxmlformats.org/officeDocument/2006/relationships" xmlns:p="http://schemas.openxmlformats.org/presentationml/2006/main">
+  <p:tag name="OTLMARKERSHAPE" val="OTL"/>
+</p:tagLst>
+</file>
+
+<file path=ppt/tags/tag472.xml><?xml version="1.0" encoding="utf-8"?>
+<p:tagLst xmlns:a="http://schemas.openxmlformats.org/drawingml/2006/main" xmlns:r="http://schemas.openxmlformats.org/officeDocument/2006/relationships" xmlns:p="http://schemas.openxmlformats.org/presentationml/2006/main">
+  <p:tag name="OTLMARKERSHAPE" val="OTL"/>
+</p:tagLst>
+</file>
+
+<file path=ppt/tags/tag473.xml><?xml version="1.0" encoding="utf-8"?>
+<p:tagLst xmlns:a="http://schemas.openxmlformats.org/drawingml/2006/main" xmlns:r="http://schemas.openxmlformats.org/officeDocument/2006/relationships" xmlns:p="http://schemas.openxmlformats.org/presentationml/2006/main">
+  <p:tag name="OTLMARKERSHAPE" val="OTL"/>
+</p:tagLst>
+</file>
+
+<file path=ppt/tags/tag474.xml><?xml version="1.0" encoding="utf-8"?>
+<p:tagLst xmlns:a="http://schemas.openxmlformats.org/drawingml/2006/main" xmlns:r="http://schemas.openxmlformats.org/officeDocument/2006/relationships" xmlns:p="http://schemas.openxmlformats.org/presentationml/2006/main">
+  <p:tag name="OTLMARKERSHAPE" val="OTL"/>
+</p:tagLst>
+</file>
+
+<file path=ppt/tags/tag475.xml><?xml version="1.0" encoding="utf-8"?>
+<p:tagLst xmlns:a="http://schemas.openxmlformats.org/drawingml/2006/main" xmlns:r="http://schemas.openxmlformats.org/officeDocument/2006/relationships" xmlns:p="http://schemas.openxmlformats.org/presentationml/2006/main">
+  <p:tag name="OTLMARKERSHAPE" val="OTL"/>
+</p:tagLst>
+</file>
+
+<file path=ppt/tags/tag476.xml><?xml version="1.0" encoding="utf-8"?>
+<p:tagLst xmlns:a="http://schemas.openxmlformats.org/drawingml/2006/main" xmlns:r="http://schemas.openxmlformats.org/officeDocument/2006/relationships" xmlns:p="http://schemas.openxmlformats.org/presentationml/2006/main">
+  <p:tag name="OTLMARKERSHAPE" val="OTL"/>
+</p:tagLst>
+</file>
+
+<file path=ppt/tags/tag477.xml><?xml version="1.0" encoding="utf-8"?>
+<p:tagLst xmlns:a="http://schemas.openxmlformats.org/drawingml/2006/main" xmlns:r="http://schemas.openxmlformats.org/officeDocument/2006/relationships" xmlns:p="http://schemas.openxmlformats.org/presentationml/2006/main">
+  <p:tag name="OTLMARKERSHAPE" val="OTL"/>
+</p:tagLst>
+</file>
+
+<file path=ppt/tags/tag478.xml><?xml version="1.0" encoding="utf-8"?>
+<p:tagLst xmlns:a="http://schemas.openxmlformats.org/drawingml/2006/main" xmlns:r="http://schemas.openxmlformats.org/officeDocument/2006/relationships" xmlns:p="http://schemas.openxmlformats.org/presentationml/2006/main">
+  <p:tag name="OTLMARKERSHAPE" val="OTL"/>
+</p:tagLst>
+</file>
+
+<file path=ppt/tags/tag479.xml><?xml version="1.0" encoding="utf-8"?>
+<p:tagLst xmlns:a="http://schemas.openxmlformats.org/drawingml/2006/main" xmlns:r="http://schemas.openxmlformats.org/officeDocument/2006/relationships" xmlns:p="http://schemas.openxmlformats.org/presentationml/2006/main">
+  <p:tag name="OTLMARKERSHAPE" val="OTL"/>
+</p:tagLst>
+</file>
+
 <file path=ppt/tags/tag48.xml><?xml version="1.0" encoding="utf-8"?>
 <p:tagLst xmlns:a="http://schemas.openxmlformats.org/drawingml/2006/main" xmlns:r="http://schemas.openxmlformats.org/officeDocument/2006/relationships" xmlns:p="http://schemas.openxmlformats.org/presentationml/2006/main">
   <p:tag name="OTLMARKERSHAPE" val="OTL"/>
 </p:tagLst>
 </file>
 
+<file path=ppt/tags/tag480.xml><?xml version="1.0" encoding="utf-8"?>
+<p:tagLst xmlns:a="http://schemas.openxmlformats.org/drawingml/2006/main" xmlns:r="http://schemas.openxmlformats.org/officeDocument/2006/relationships" xmlns:p="http://schemas.openxmlformats.org/presentationml/2006/main">
+  <p:tag name="OTLMARKERSHAPE" val="OTL"/>
+</p:tagLst>
+</file>
+
+<file path=ppt/tags/tag481.xml><?xml version="1.0" encoding="utf-8"?>
+<p:tagLst xmlns:a="http://schemas.openxmlformats.org/drawingml/2006/main" xmlns:r="http://schemas.openxmlformats.org/officeDocument/2006/relationships" xmlns:p="http://schemas.openxmlformats.org/presentationml/2006/main">
+  <p:tag name="OTLMARKERSHAPE" val="OTL"/>
+</p:tagLst>
+</file>
+
+<file path=ppt/tags/tag482.xml><?xml version="1.0" encoding="utf-8"?>
+<p:tagLst xmlns:a="http://schemas.openxmlformats.org/drawingml/2006/main" xmlns:r="http://schemas.openxmlformats.org/officeDocument/2006/relationships" xmlns:p="http://schemas.openxmlformats.org/presentationml/2006/main">
+  <p:tag name="OTLMARKERSHAPE" val="OTL"/>
+</p:tagLst>
+</file>
+
+<file path=ppt/tags/tag483.xml><?xml version="1.0" encoding="utf-8"?>
+<p:tagLst xmlns:a="http://schemas.openxmlformats.org/drawingml/2006/main" xmlns:r="http://schemas.openxmlformats.org/officeDocument/2006/relationships" xmlns:p="http://schemas.openxmlformats.org/presentationml/2006/main">
+  <p:tag name="OTLMARKERSHAPE" val="OTL"/>
+</p:tagLst>
+</file>
+
+<file path=ppt/tags/tag484.xml><?xml version="1.0" encoding="utf-8"?>
+<p:tagLst xmlns:a="http://schemas.openxmlformats.org/drawingml/2006/main" xmlns:r="http://schemas.openxmlformats.org/officeDocument/2006/relationships" xmlns:p="http://schemas.openxmlformats.org/presentationml/2006/main">
+  <p:tag name="OTLMARKERSHAPE" val="OTL"/>
+</p:tagLst>
+</file>
+
+<file path=ppt/tags/tag485.xml><?xml version="1.0" encoding="utf-8"?>
+<p:tagLst xmlns:a="http://schemas.openxmlformats.org/drawingml/2006/main" xmlns:r="http://schemas.openxmlformats.org/officeDocument/2006/relationships" xmlns:p="http://schemas.openxmlformats.org/presentationml/2006/main">
+  <p:tag name="OTLMARKERSHAPE" val="OTL"/>
+</p:tagLst>
+</file>
+
+<file path=ppt/tags/tag486.xml><?xml version="1.0" encoding="utf-8"?>
+<p:tagLst xmlns:a="http://schemas.openxmlformats.org/drawingml/2006/main" xmlns:r="http://schemas.openxmlformats.org/officeDocument/2006/relationships" xmlns:p="http://schemas.openxmlformats.org/presentationml/2006/main">
+  <p:tag name="OTLMARKERSHAPE" val="OTL"/>
+</p:tagLst>
+</file>
+
+<file path=ppt/tags/tag487.xml><?xml version="1.0" encoding="utf-8"?>
+<p:tagLst xmlns:a="http://schemas.openxmlformats.org/drawingml/2006/main" xmlns:r="http://schemas.openxmlformats.org/officeDocument/2006/relationships" xmlns:p="http://schemas.openxmlformats.org/presentationml/2006/main">
+  <p:tag name="OTLMARKERSHAPE" val="OTL"/>
+</p:tagLst>
+</file>
+
+<file path=ppt/tags/tag488.xml><?xml version="1.0" encoding="utf-8"?>
+<p:tagLst xmlns:a="http://schemas.openxmlformats.org/drawingml/2006/main" xmlns:r="http://schemas.openxmlformats.org/officeDocument/2006/relationships" xmlns:p="http://schemas.openxmlformats.org/presentationml/2006/main">
+  <p:tag name="OTLMARKERSHAPE" val="OTL"/>
+</p:tagLst>
+</file>
+
+<file path=ppt/tags/tag489.xml><?xml version="1.0" encoding="utf-8"?>
+<p:tagLst xmlns:a="http://schemas.openxmlformats.org/drawingml/2006/main" xmlns:r="http://schemas.openxmlformats.org/officeDocument/2006/relationships" xmlns:p="http://schemas.openxmlformats.org/presentationml/2006/main">
+  <p:tag name="OTLMARKERSHAPE" val="OTL"/>
+</p:tagLst>
+</file>
+
 <file path=ppt/tags/tag49.xml><?xml version="1.0" encoding="utf-8"?>
 <p:tagLst xmlns:a="http://schemas.openxmlformats.org/drawingml/2006/main" xmlns:r="http://schemas.openxmlformats.org/officeDocument/2006/relationships" xmlns:p="http://schemas.openxmlformats.org/presentationml/2006/main">
   <p:tag name="OTLMARKERSHAPE" val="OTL"/>
 </p:tagLst>
 </file>
 
+<file path=ppt/tags/tag490.xml><?xml version="1.0" encoding="utf-8"?>
+<p:tagLst xmlns:a="http://schemas.openxmlformats.org/drawingml/2006/main" xmlns:r="http://schemas.openxmlformats.org/officeDocument/2006/relationships" xmlns:p="http://schemas.openxmlformats.org/presentationml/2006/main">
+  <p:tag name="OTLMARKERSHAPE" val="OTL"/>
+</p:tagLst>
+</file>
+
+<file path=ppt/tags/tag491.xml><?xml version="1.0" encoding="utf-8"?>
+<p:tagLst xmlns:a="http://schemas.openxmlformats.org/drawingml/2006/main" xmlns:r="http://schemas.openxmlformats.org/officeDocument/2006/relationships" xmlns:p="http://schemas.openxmlformats.org/presentationml/2006/main">
+  <p:tag name="OTLMARKERSHAPE" val="OTL"/>
+</p:tagLst>
+</file>
+
+<file path=ppt/tags/tag492.xml><?xml version="1.0" encoding="utf-8"?>
+<p:tagLst xmlns:a="http://schemas.openxmlformats.org/drawingml/2006/main" xmlns:r="http://schemas.openxmlformats.org/officeDocument/2006/relationships" xmlns:p="http://schemas.openxmlformats.org/presentationml/2006/main">
+  <p:tag name="OTLMARKERSHAPE" val="OTL"/>
+</p:tagLst>
+</file>
+
+<file path=ppt/tags/tag493.xml><?xml version="1.0" encoding="utf-8"?>
+<p:tagLst xmlns:a="http://schemas.openxmlformats.org/drawingml/2006/main" xmlns:r="http://schemas.openxmlformats.org/officeDocument/2006/relationships" xmlns:p="http://schemas.openxmlformats.org/presentationml/2006/main">
+  <p:tag name="OTLMARKERSHAPE" val="OTL"/>
+</p:tagLst>
+</file>
+
+<file path=ppt/tags/tag494.xml><?xml version="1.0" encoding="utf-8"?>
+<p:tagLst xmlns:a="http://schemas.openxmlformats.org/drawingml/2006/main" xmlns:r="http://schemas.openxmlformats.org/officeDocument/2006/relationships" xmlns:p="http://schemas.openxmlformats.org/presentationml/2006/main">
+  <p:tag name="OTLMARKERSHAPE" val="OTL"/>
+</p:tagLst>
+</file>
+
+<file path=ppt/tags/tag495.xml><?xml version="1.0" encoding="utf-8"?>
+<p:tagLst xmlns:a="http://schemas.openxmlformats.org/drawingml/2006/main" xmlns:r="http://schemas.openxmlformats.org/officeDocument/2006/relationships" xmlns:p="http://schemas.openxmlformats.org/presentationml/2006/main">
+  <p:tag name="OTLMARKERSHAPE" val="OTL"/>
+</p:tagLst>
+</file>
+
+<file path=ppt/tags/tag496.xml><?xml version="1.0" encoding="utf-8"?>
+<p:tagLst xmlns:a="http://schemas.openxmlformats.org/drawingml/2006/main" xmlns:r="http://schemas.openxmlformats.org/officeDocument/2006/relationships" xmlns:p="http://schemas.openxmlformats.org/presentationml/2006/main">
+  <p:tag name="OTLMARKERSHAPE" val="OTL"/>
+</p:tagLst>
+</file>
+
+<file path=ppt/tags/tag497.xml><?xml version="1.0" encoding="utf-8"?>
+<p:tagLst xmlns:a="http://schemas.openxmlformats.org/drawingml/2006/main" xmlns:r="http://schemas.openxmlformats.org/officeDocument/2006/relationships" xmlns:p="http://schemas.openxmlformats.org/presentationml/2006/main">
+  <p:tag name="OTLMARKERSHAPE" val="OTL"/>
+</p:tagLst>
+</file>
+
+<file path=ppt/tags/tag498.xml><?xml version="1.0" encoding="utf-8"?>
+<p:tagLst xmlns:a="http://schemas.openxmlformats.org/drawingml/2006/main" xmlns:r="http://schemas.openxmlformats.org/officeDocument/2006/relationships" xmlns:p="http://schemas.openxmlformats.org/presentationml/2006/main">
+  <p:tag name="OTLMARKERSHAPE" val="OTL"/>
+</p:tagLst>
+</file>
+
+<file path=ppt/tags/tag499.xml><?xml version="1.0" encoding="utf-8"?>
+<p:tagLst xmlns:a="http://schemas.openxmlformats.org/drawingml/2006/main" xmlns:r="http://schemas.openxmlformats.org/officeDocument/2006/relationships" xmlns:p="http://schemas.openxmlformats.org/presentationml/2006/main">
+  <p:tag name="OTLMARKERSHAPE" val="OTL"/>
+</p:tagLst>
+</file>
+
 <file path=ppt/tags/tag5.xml><?xml version="1.0" encoding="utf-8"?>
 <p:tagLst xmlns:a="http://schemas.openxmlformats.org/drawingml/2006/main" xmlns:r="http://schemas.openxmlformats.org/officeDocument/2006/relationships" xmlns:p="http://schemas.openxmlformats.org/presentationml/2006/main">
   <p:tag name="OTLMARKERSHAPE" val="OTL"/>
@@ -24727,6 +32043,30 @@
 </file>
 
 <file path=ppt/tags/tag50.xml><?xml version="1.0" encoding="utf-8"?>
+<p:tagLst xmlns:a="http://schemas.openxmlformats.org/drawingml/2006/main" xmlns:r="http://schemas.openxmlformats.org/officeDocument/2006/relationships" xmlns:p="http://schemas.openxmlformats.org/presentationml/2006/main">
+  <p:tag name="OTLMARKERSHAPE" val="OTL"/>
+</p:tagLst>
+</file>
+
+<file path=ppt/tags/tag500.xml><?xml version="1.0" encoding="utf-8"?>
+<p:tagLst xmlns:a="http://schemas.openxmlformats.org/drawingml/2006/main" xmlns:r="http://schemas.openxmlformats.org/officeDocument/2006/relationships" xmlns:p="http://schemas.openxmlformats.org/presentationml/2006/main">
+  <p:tag name="OTLMARKERSHAPE" val="OTL"/>
+</p:tagLst>
+</file>
+
+<file path=ppt/tags/tag501.xml><?xml version="1.0" encoding="utf-8"?>
+<p:tagLst xmlns:a="http://schemas.openxmlformats.org/drawingml/2006/main" xmlns:r="http://schemas.openxmlformats.org/officeDocument/2006/relationships" xmlns:p="http://schemas.openxmlformats.org/presentationml/2006/main">
+  <p:tag name="OTLMARKERSHAPE" val="OTL"/>
+</p:tagLst>
+</file>
+
+<file path=ppt/tags/tag502.xml><?xml version="1.0" encoding="utf-8"?>
+<p:tagLst xmlns:a="http://schemas.openxmlformats.org/drawingml/2006/main" xmlns:r="http://schemas.openxmlformats.org/officeDocument/2006/relationships" xmlns:p="http://schemas.openxmlformats.org/presentationml/2006/main">
+  <p:tag name="OTLMARKERSHAPE" val="OTL"/>
+</p:tagLst>
+</file>
+
+<file path=ppt/tags/tag503.xml><?xml version="1.0" encoding="utf-8"?>
 <p:tagLst xmlns:a="http://schemas.openxmlformats.org/drawingml/2006/main" xmlns:r="http://schemas.openxmlformats.org/officeDocument/2006/relationships" xmlns:p="http://schemas.openxmlformats.org/presentationml/2006/main">
   <p:tag name="OTLMARKERSHAPE" val="OTL"/>
 </p:tagLst>
